--- a/COME_courses/Cambridge_2022/6_Bayesian_inference/RevBayesIntro.pptx
+++ b/COME_courses/Cambridge_2022/6_Bayesian_inference/RevBayesIntro.pptx
@@ -35,21 +35,22 @@
     <p:sldId id="304" r:id="rId33"/>
     <p:sldId id="307" r:id="rId34"/>
     <p:sldId id="299" r:id="rId35"/>
-    <p:sldId id="277" r:id="rId36"/>
-    <p:sldId id="278" r:id="rId37"/>
-    <p:sldId id="279" r:id="rId38"/>
-    <p:sldId id="280" r:id="rId39"/>
-    <p:sldId id="281" r:id="rId40"/>
-    <p:sldId id="282" r:id="rId41"/>
-    <p:sldId id="283" r:id="rId42"/>
-    <p:sldId id="284" r:id="rId43"/>
-    <p:sldId id="285" r:id="rId44"/>
-    <p:sldId id="288" r:id="rId45"/>
-    <p:sldId id="289" r:id="rId46"/>
-    <p:sldId id="292" r:id="rId47"/>
-    <p:sldId id="294" r:id="rId48"/>
-    <p:sldId id="295" r:id="rId49"/>
-    <p:sldId id="287" r:id="rId50"/>
+    <p:sldId id="308" r:id="rId36"/>
+    <p:sldId id="277" r:id="rId37"/>
+    <p:sldId id="278" r:id="rId38"/>
+    <p:sldId id="279" r:id="rId39"/>
+    <p:sldId id="280" r:id="rId40"/>
+    <p:sldId id="281" r:id="rId41"/>
+    <p:sldId id="282" r:id="rId42"/>
+    <p:sldId id="283" r:id="rId43"/>
+    <p:sldId id="284" r:id="rId44"/>
+    <p:sldId id="285" r:id="rId45"/>
+    <p:sldId id="288" r:id="rId46"/>
+    <p:sldId id="289" r:id="rId47"/>
+    <p:sldId id="292" r:id="rId48"/>
+    <p:sldId id="294" r:id="rId49"/>
+    <p:sldId id="295" r:id="rId50"/>
+    <p:sldId id="287" r:id="rId51"/>
   </p:sldIdLst>
   <p:sldSz cx="9144000" cy="6858000"/>
   <p:notesSz cx="6858000" cy="9144000"/>
@@ -280,7 +281,7 @@
             <a:spLocks noGrp="1" noChangeArrowheads="1"/>
             <a:extLst>
               <a:ext uri="smNativeData">
-                <pr:smNativeData xmlns:pr="smNativeData" xmlns="smNativeData" val="SMDATA_15_JtjWYhMAAAAlAAAAZAAAAA0AAAAAkAAAAEgAAACQAAAASAAAAAAAAAABAAAAAAAAAAEAAABQAAAAAAAAAAAA4D8AAAAAAADgPwAAAAAAAOA/AAAAAAAA4D8AAAAAAADgPwAAAAAAAOA/AAAAAAAA4D8AAAAAAADgPwAAAAAAAOA/AAAAAAAA4D8CAAAAjAAAAAAAAAAAAAAAT4G9DP///wgAAAAAAAAAAAAAAAAAAAAAAAAAAAAAAAAAAAAAZAAAAAEAAABAAAAAAAAAAAAAAAAAAAAAAAAAAAAAAAAAAAAAAAAAAAAAAAAAAAAAAAAAAAAAAAAAAAAAAAAAAAAAAAAAAAAAAAAAAAAAAAAAAAAAAAAAAAAAAAAAAAAAFAAAADwAAAAAAAAAAAAAAAAAAAkUAAAAAQAAABQAAAAUAAAAFAAAAAEAAAAAAAAAZAAAAGQAAAAAAAAAZAAAAGQAAAAVAAAAYAAAAAAAAAAAAAAADwAAACADAAAAAAAAAAAAAAEAAACgMgAAVgcAAKr4//8BAAAAf39/AAEAAABkAAAAAAAAABQAAABAHwAAAAAAACYAAAAAAAAAwOD//wAAAAAmAAAAZAAAABYAAABMAAAAAAAAAAAAAAAEAAAAAAAAAAEAAADu7OEKAAAAACgAAAAoAAAAZAAAAGQAAAAAAAAAzMzMAAAAAABQAAAAUAAAAGQAAABkAAAAAAAAABcAAAAUAAAAAAAAAAAAAAD/fwAA/38AAAAAAAAJAAAABAAAADAwIiAeAAAAaAAAAAAAAAAAAAAAAAAAAAAAAAAAAAAAECcAABAnAAAAAAAAAAAAAAAAAAAAAAAAAAAAAAAAAAAAAAAAAAAAABQAAAAAAAAAwMD/AAAAAABkAAAAMgAAAAAAAABkAAAAAAAAAH9/fwAKAAAAIgAAABgAAAAAAAAAAAAAAAAAAAAAAAAAAAAAAAAAAAAkAAAAJAAAAAAAAAAHAAAAAAAAAAAAAAAAAAAAAAAAAAAAAAAAAAAAf39/ACUAAABYAAAAAAAAAAAAAAAAAAAAAAAAAAAAAAAAAAAAAAAAAAAAAAAAAAAAAAAAAAAAAAA/AAAAAAAAAKCGAQAAAAAAAAAAAAAAAAAMAAAAAQAAAAAAAAAAAAAAAAAAAB8AAABUAAAAAAAABQAAAAEAAAAAAAAAAAAAAAAAAAAAAAAAAAAAAAAAAAAAAAAAAAAAAAJ/f38AAAAAA8zMzADAwP8Af39/AAAAAAAAAAAAAAAAAAAAAAAAAAAAIQAAABgAAAAUAAAAOAQAABsNAAAINAAAJhYAABAAAAAmAAAACAAAAAEAAAAAAAAA"/>
+                <pr:smNativeData xmlns:pr="smNativeData" xmlns="smNativeData" val="SMDATA_15_iunWYhMAAAAlAAAAZAAAAA0AAAAAkAAAAEgAAACQAAAASAAAAAAAAAABAAAAAAAAAAEAAABQAAAAAAAAAAAA4D8AAAAAAADgPwAAAAAAAOA/AAAAAAAA4D8AAAAAAADgPwAAAAAAAOA/AAAAAAAA4D8AAAAAAADgPwAAAAAAAOA/AAAAAAAA4D8CAAAAjAAAAAAAAAAAAAAAT4G9DP///wgAAAAAAAAAAAAAAAAAAAAAAAAAAAAAAAAAAAAAZAAAAAEAAABAAAAAAAAAAAAAAAAAAAAAAAAAAAAAAAAAAAAAAAAAAAAAAAAAAAAAAAAAAAAAAAAAAAAAAAAAAAAAAAAAAAAAAAAAAAAAAAAAAAAAAAAAAAAAAAAAAAAAFAAAADwAAAAAAAAAAAAAAAAAAAkUAAAAAQAAABQAAAAUAAAAFAAAAAEAAAAAAAAAZAAAAGQAAAAAAAAAZAAAAGQAAAAVAAAAYAAAAAAAAAAAAAAADwAAACADAAAAAAAAAAAAAAEAAACgMgAAVgcAAKr4//8BAAAAf39/AAEAAABkAAAAAAAAABQAAABAHwAAAAAAACYAAAAAAAAAwOD//wAAAAAmAAAAZAAAABYAAABMAAAAAAAAAAAAAAAEAAAAAAAAAAEAAADu7OEKAAAAACgAAAAoAAAAZAAAAGQAAAAAAAAAzMzMAAAAAABQAAAAUAAAAGQAAABkAAAAAAAAABcAAAAUAAAAAAAAAAAAAAD/fwAA/38AAAAAAAAJAAAABAAAADAwIiAeAAAAaAAAAAAAAAAAAAAAAAAAAAAAAAAAAAAAECcAABAnAAAAAAAAAAAAAAAAAAAAAAAAAAAAAAAAAAAAAAAAAAAAABQAAAAAAAAAwMD/AAAAAABkAAAAMgAAAAAAAABkAAAAAAAAAH9/fwAKAAAAIgAAABgAAAAAAAAAAAAAAAAAAAAAAAAAAAAAAAAAAAAkAAAAJAAAAAAAAAAHAAAAAAAAAAAAAAAAAAAAAAAAAAAAAAAAAAAAf39/ACUAAABYAAAAAAAAAAAAAAAAAAAAAAAAAAAAAAAAAAAAAAAAAAAAAAAAAAAAAAAAAAAAAAA/AAAAAAAAAKCGAQAAAAAAAAAAAAAAAAAMAAAAAQAAAAAAAAAAAAAAAAAAAB8AAABUAAAAAAAABQAAAAEAAAAAAAAAAAAAAAAAAAAAAAAAAAAAAAAAAAAAAAAAAAAAAAJ/f38AAAAAA8zMzADAwP8Af39/AAAAAAAAAAAAAAAAAAAAAAAAAAAAIQAAABgAAAAUAAAAOAQAABsNAAAINAAAJhYAABAAAAAmAAAACAAAAAEAAAAAAAAA"/>
               </a:ext>
             </a:extLst>
           </p:cNvSpPr>
@@ -314,7 +315,7 @@
             <a:spLocks noGrp="1" noChangeArrowheads="1"/>
             <a:extLst>
               <a:ext uri="smNativeData">
-                <pr:smNativeData xmlns:pr="smNativeData" xmlns="smNativeData" val="SMDATA_15_JtjWYhMAAAAlAAAAZAAAAA0AAAAAkAAAAEgAAACQAAAASAAAAAAAAAAAAAAAAAAAAAEAAABQAAAAAAAAAAAA4D8AAAAAAADgPwAAAAAAAOA/AAAAAAAA4D8AAAAAAADgPwAAAAAAAOA/AAAAAAAA4D8AAAAAAADgPwAAAAAAAOA/AAAAAAAA4D8CAAAAjAAAAAAAAAAAAAAAT4G9DP///wgAAAAAAAAAAAAAAAAAAAAAAAAAAAAAAAAAAAAAZAAAAAEAAABAAAAAAAAAAAAAAAAAAAAAAAAAAAAAAAAAAAAAAAAAAAAAAAAAAAAAAAAAAAAAAAAAAAAAAAAAAAAAAAAAAAAAAAAAAAAAAAAAAAAAAAAAAAAAAAAAAAAAFAAAADwAAAAAAAAAAAAAAAAAAAkUAAAAAQAAABQAAAAUAAAAFAAAAAEAAAAAAAAAZAAAAGQAAAAAAAAAZAAAAGQAAAAVAAAAYAAAAAAAAAAAAAAADwAAACADAAAAAAAAAAAAAAEAAACgMgAAVgcAAKr4//8BAAAAf39/AAEAAABkAAAAAAAAABQAAABAHwAAAAAAACYAAAAAAAAAwOD//wAAAAAmAAAAZAAAABYAAABMAAAAAAAAAAAAAAAEAAAAAAAAAAEAAADu7OEKAAAAACgAAAAoAAAAZAAAAGQAAAAAAAAAzMzMAAAAAABQAAAAUAAAAGQAAABkAAAAAAAAABcAAAAUAAAAAAAAAAAAAAD/fwAA/38AAAAAAAAJAAAABAAAAAAAAAEeAAAAaAAAAAAAAAAAAAAAAAAAAAAAAAAAAAAAECcAABAnAAAAAAAAAAAAAAAAAAAAAAAAAAAAAAAAAAAAAAAAAAAAABQAAAAAAAAAwMD/AAAAAABkAAAAMgAAAAAAAABkAAAAAAAAAH9/fwAKAAAAIgAAABgAAAAAAAAAAAAAAAAAAAAAAAAAAAAAAAAAAAAkAAAAJAAAAAAAAAAHAAAAAAAAAAAAAAAAAAAAAAAAAAAAAAAAAAAAf39/ACUAAABYAAAAAAAAAAAAAAAAAAAAAAAAAAAAAAAAAAAAAAAAAAAAAAAAAAAAAAAAAAAAAAA/AAAAAAAAAKCGAQAAAAAAAAAAAAAAAAAMAAAAAQAAAAAAAAAAAAAAAAAAAB8AAABUAAAAAAAABQAAAAEAAAAAAAAAAAAAAAAAAAAAAAAAAAAAAAAAAAAAAAAAAAAAAAJ/f38AAAAAA8zMzADAwP8Af39/AAAAAAAAAAAAAAAAAAAAAAAAAAAAIQAAABgAAAAUAAAAcAgAAOgXAADQLwAAsCIAABAAAAAmAAAACAAAAAGAAAAAAAAA"/>
+                <pr:smNativeData xmlns:pr="smNativeData" xmlns="smNativeData" val="SMDATA_15_iunWYhMAAAAlAAAAZAAAAA0AAAAAkAAAAEgAAACQAAAASAAAAAAAAAAAAAAAAAAAAAEAAABQAAAAAAAAAAAA4D8AAAAAAADgPwAAAAAAAOA/AAAAAAAA4D8AAAAAAADgPwAAAAAAAOA/AAAAAAAA4D8AAAAAAADgPwAAAAAAAOA/AAAAAAAA4D8CAAAAjAAAAAAAAAAAAAAAT4G9DP///wgAAAAAAAAAAAAAAAAAAAAAAAAAAAAAAAAAAAAAZAAAAAEAAABAAAAAAAAAAAAAAAAAAAAAAAAAAAAAAAAAAAAAAAAAAAAAAAAAAAAAAAAAAAAAAAAAAAAAAAAAAAAAAAAAAAAAAAAAAAAAAAAAAAAAAAAAAAAAAAAAAAAAFAAAADwAAAAAAAAAAAAAAAAAAAkUAAAAAQAAABQAAAAUAAAAFAAAAAEAAAAAAAAAZAAAAGQAAAAAAAAAZAAAAGQAAAAVAAAAYAAAAAAAAAAAAAAADwAAACADAAAAAAAAAAAAAAEAAACgMgAAVgcAAKr4//8BAAAAf39/AAEAAABkAAAAAAAAABQAAABAHwAAAAAAACYAAAAAAAAAwOD//wAAAAAmAAAAZAAAABYAAABMAAAAAAAAAAAAAAAEAAAAAAAAAAEAAADu7OEKAAAAACgAAAAoAAAAZAAAAGQAAAAAAAAAzMzMAAAAAABQAAAAUAAAAGQAAABkAAAAAAAAABcAAAAUAAAAAAAAAAAAAAD/fwAA/38AAAAAAAAJAAAABAAAAAAAAAEeAAAAaAAAAAAAAAAAAAAAAAAAAAAAAAAAAAAAECcAABAnAAAAAAAAAAAAAAAAAAAAAAAAAAAAAAAAAAAAAAAAAAAAABQAAAAAAAAAwMD/AAAAAABkAAAAMgAAAAAAAABkAAAAAAAAAH9/fwAKAAAAIgAAABgAAAAAAAAAAAAAAAAAAAAAAAAAAAAAAAAAAAAkAAAAJAAAAAAAAAAHAAAAAAAAAAAAAAAAAAAAAAAAAAAAAAAAAAAAf39/ACUAAABYAAAAAAAAAAAAAAAAAAAAAAAAAAAAAAAAAAAAAAAAAAAAAAAAAAAAAAAAAAAAAAA/AAAAAAAAAKCGAQAAAAAAAAAAAAAAAAAMAAAAAQAAAAAAAAAAAAAAAAAAAB8AAABUAAAAAAAABQAAAAEAAAAAAAAAAAAAAAAAAAAAAAAAAAAAAAAAAAAAAAAAAAAAAAJ/f38AAAAAA8zMzADAwP8Af39/AAAAAAAAAAAAAAAAAAAAAAAAAAAAIQAAABgAAAAUAAAAcAgAAOgXAADQLwAAsCIAABAAAAAmAAAACAAAAAGAAAAAAAAA"/>
               </a:ext>
             </a:extLst>
           </p:cNvSpPr>
@@ -421,7 +422,7 @@
             <a:spLocks noGrp="1" noChangeArrowheads="1"/>
             <a:extLst>
               <a:ext uri="smNativeData">
-                <pr:smNativeData xmlns:pr="smNativeData" xmlns="smNativeData" val="SMDATA_15_JtjWYhMAAAAlAAAAZAAAAA0AAAAAkAAAAEgAAACQAAAASAAAAAAAAAABAAAAAAAAAAEAAABQAAAAAAAAAAAA4D8AAAAAAADgPwAAAAAAAOA/AAAAAAAA4D8AAAAAAADgPwAAAAAAAOA/AAAAAAAA4D8AAAAAAADgPwAAAAAAAOA/AAAAAAAA4D8CAAAAjAAAAAAAAAAAAAAAT4G9DP///wgAAAAAAAAAAAAAAAAAAAAAAAAAAAAAAAAAAAAAZAAAAAEAAABAAAAAAAAAAAAAAAAAAAAAAAAAAAAAAAAAAAAAAAAAAAAAAAAAAAAAAAAAAAAAAAAAAAAAAAAAAAAAAAAAAAAAAAAAAAAAAAAAAAAAAAAAAAAAAAAAAAAAFAAAADwAAAAAAAAAAAAAAAAAAAkUAAAAAQAAABQAAAAUAAAAFAAAAAEAAAAAAAAAZAAAAGQAAAAAAAAAZAAAAGQAAAAVAAAAYAAAAAAAAAAAAAAADwAAACADAAAAAAAAAAAAAAEAAACgMgAAVgcAAKr4//8BAAAAf39/AAEAAABkAAAAAAAAABQAAABAHwAAAAAAACYAAAAAAAAAwOD//wAAAAAmAAAAZAAAABYAAABMAAAAAAAAAAAAAAAEAAAAAAAAAAEAAADu7OEKAAAAACgAAAAoAAAAZAAAAGQAAAAAAAAAzMzMAAAAAABQAAAAUAAAAGQAAABkAAAAAAAAABcAAAAUAAAAAAAAAAAAAAD/fwAA/38AAAAAAAAJAAAABAAAAAAAAAEeAAAAaAAAAAAAAAAAAAAAAAAAAAAAAAAAAAAAECcAABAnAAAAAAAAAAAAAAAAAAAAAAAAAAAAAAAAAAAAAAAAAAAAABQAAAAAAAAAwMD/AAAAAABkAAAAMgAAAAAAAABkAAAAAAAAAH9/fwAKAAAAIgAAABgAAAAAAAAAAAAAAAAAAAAAAAAAAAAAAAAAAAAkAAAAJAAAAAAAAAAHAAAAAAAAAAAAAAAAAAAAAAAAAAAAAAAAAAAAf39/ACUAAABYAAAAAAAAAAAAAAAAAAAAAAAAAAAAAAAAAAAAAAAAAAAAAAAAAAAAAAAAAAAAAAA/AAAAAAAAAKCGAQAAAAAAAAAAAAAAAAAMAAAAAQAAAAAAAAAAAAAAAAAAAB8AAABUAAAAAAAABQAAAAEAAAAAAAAAAAAAAAAAAAAAAAAAAAAAAAAAAAAAAAAAAAAAAAJ/f38AAAAAA8zMzADAwP8Af39/AAAAAAAAAAAAAAAAAAAAAAAAAAAAIQAAABgAAAAUAAAA0AIAABonAADwDwAAWSkAABAAAAAmAAAACAAAAAAAAAAAAAAA"/>
+                <pr:smNativeData xmlns:pr="smNativeData" xmlns="smNativeData" val="SMDATA_15_iunWYhMAAAAlAAAAZAAAAA0AAAAAkAAAAEgAAACQAAAASAAAAAAAAAABAAAAAAAAAAEAAABQAAAAAAAAAAAA4D8AAAAAAADgPwAAAAAAAOA/AAAAAAAA4D8AAAAAAADgPwAAAAAAAOA/AAAAAAAA4D8AAAAAAADgPwAAAAAAAOA/AAAAAAAA4D8CAAAAjAAAAAAAAAAAAAAAT4G9DP///wgAAAAAAAAAAAAAAAAAAAAAAAAAAAAAAAAAAAAAZAAAAAEAAABAAAAAAAAAAAAAAAAAAAAAAAAAAAAAAAAAAAAAAAAAAAAAAAAAAAAAAAAAAAAAAAAAAAAAAAAAAAAAAAAAAAAAAAAAAAAAAAAAAAAAAAAAAAAAAAAAAAAAFAAAADwAAAAAAAAAAAAAAAAAAAkUAAAAAQAAABQAAAAUAAAAFAAAAAEAAAAAAAAAZAAAAGQAAAAAAAAAZAAAAGQAAAAVAAAAYAAAAAAAAAAAAAAADwAAACADAAAAAAAAAAAAAAEAAACgMgAAVgcAAKr4//8BAAAAf39/AAEAAABkAAAAAAAAABQAAABAHwAAAAAAACYAAAAAAAAAwOD//wAAAAAmAAAAZAAAABYAAABMAAAAAAAAAAAAAAAEAAAAAAAAAAEAAADu7OEKAAAAACgAAAAoAAAAZAAAAGQAAAAAAAAAzMzMAAAAAABQAAAAUAAAAGQAAABkAAAAAAAAABcAAAAUAAAAAAAAAAAAAAD/fwAA/38AAAAAAAAJAAAABAAAAAAAAAEeAAAAaAAAAAAAAAAAAAAAAAAAAAAAAAAAAAAAECcAABAnAAAAAAAAAAAAAAAAAAAAAAAAAAAAAAAAAAAAAAAAAAAAABQAAAAAAAAAwMD/AAAAAABkAAAAMgAAAAAAAABkAAAAAAAAAH9/fwAKAAAAIgAAABgAAAAAAAAAAAAAAAAAAAAAAAAAAAAAAAAAAAAkAAAAJAAAAAAAAAAHAAAAAAAAAAAAAAAAAAAAAAAAAAAAAAAAAAAAf39/ACUAAABYAAAAAAAAAAAAAAAAAAAAAAAAAAAAAAAAAAAAAAAAAAAAAAAAAAAAAAAAAAAAAAA/AAAAAAAAAKCGAQAAAAAAAAAAAAAAAAAMAAAAAQAAAAAAAAAAAAAAAAAAAB8AAABUAAAAAAAABQAAAAEAAAAAAAAAAAAAAAAAAAAAAAAAAAAAAAAAAAAAAAAAAAAAAAJ/f38AAAAAA8zMzADAwP8Af39/AAAAAAAAAAAAAAAAAAAAAAAAAAAAIQAAABgAAAAUAAAA0AIAABonAADwDwAAWSkAABAAAAAmAAAACAAAAAAAAAAAAAAA"/>
               </a:ext>
             </a:extLst>
           </p:cNvSpPr>
@@ -437,7 +438,7 @@
             <a:pPr>
               <a:defRPr lang="fr-fr"/>
             </a:pPr>
-            <a:fld id="{194D8BEF-A1F4-187D-BAF5-5728C5BB4C02}" type="datetime1">
+            <a:fld id="{069D45A1-EFEB-C8B3-A525-19E60B6B534C}" type="datetime1">
               <a:t/>
             </a:fld>
           </a:p>
@@ -450,7 +451,7 @@
             <a:spLocks noGrp="1" noChangeArrowheads="1"/>
             <a:extLst>
               <a:ext uri="smNativeData">
-                <pr:smNativeData xmlns:pr="smNativeData" xmlns="smNativeData" val="SMDATA_15_JtjWYhMAAAAlAAAAZAAAAA0AAAAAkAAAAEgAAACQAAAASAAAAAAAAAABAAAAAAAAAAEAAABQAAAAAAAAAAAA4D8AAAAAAADgPwAAAAAAAOA/AAAAAAAA4D8AAAAAAADgPwAAAAAAAOA/AAAAAAAA4D8AAAAAAADgPwAAAAAAAOA/AAAAAAAA4D8CAAAAjAAAAAAAAAAAAAAAT4G9DP///wgAAAAAAAAAAAAAAAAAAAAAAAAAAAAAAAAAAAAAZAAAAAEAAABAAAAAAAAAAAAAAAAAAAAAAAAAAAAAAAAAAAAAAAAAAAAAAAAAAAAAAAAAAAAAAAAAAAAAAAAAAAAAAAAAAAAAAAAAAAAAAAAAAAAAAAAAAAAAAAAAAAAAFAAAADwAAAAAAAAAAAAAAAAAAAkUAAAAAQAAABQAAAAUAAAAFAAAAAEAAAAAAAAAZAAAAGQAAAAAAAAAZAAAAGQAAAAVAAAAYAAAAAAAAAAAAAAADwAAACADAAAAAAAAAAAAAAEAAACgMgAAVgcAAKr4//8BAAAAf39/AAEAAABkAAAAAAAAABQAAABAHwAAAAAAACYAAAAAAAAAwOD//wAAAAAmAAAAZAAAABYAAABMAAAAAAAAAAAAAAAEAAAAAAAAAAEAAADu7OEKAAAAACgAAAAoAAAAZAAAAGQAAAAAAAAAzMzMAAAAAABQAAAAUAAAAGQAAABkAAAAAAAAABcAAAAUAAAAAAAAAAAAAAD/fwAA/38AAAAAAAAJAAAABAAAAAAAAAEeAAAAaAAAAAAAAAAAAAAAAAAAAAAAAAAAAAAAECcAABAnAAAAAAAAAAAAAAAAAAAAAAAAAAAAAAAAAAAAAAAAAAAAABQAAAAAAAAAwMD/AAAAAABkAAAAMgAAAAAAAABkAAAAAAAAAH9/fwAKAAAAIgAAABgAAAAAAAAAAAAAAAAAAAAAAAAAAAAAAAAAAAAkAAAAJAAAAAAAAAAHAAAAAAAAAAAAAAAAAAAAAAAAAAAAAAAAAAAAf39/ACUAAABYAAAAAAAAAAAAAAAAAAAAAAAAAAAAAAAAAAAAAAAAAAAAAAAAAAAAAAAAAAAAAAA/AAAAAAAAAKCGAQAAAAAAAAAAAAAAAAAMAAAAAQAAAAAAAAAAAAAAAAAAAB8AAABUAAAAAAAABQAAAAEAAAAAAAAAAAAAAAAAAAAAAAAAAAAAAAAAAAAAAAAAAAAAAAJ/f38AAAAAA8zMzADAwP8Af39/AAAAAAAAAAAAAAAAAAAAAAAAAAAAIQAAABgAAAAUAAAAOBMAABonAAAIJQAAWSkAABAAAAAmAAAACAAAAAAAAAAAAAAA"/>
+                <pr:smNativeData xmlns:pr="smNativeData" xmlns="smNativeData" val="SMDATA_15_iunWYhMAAAAlAAAAZAAAAA0AAAAAkAAAAEgAAACQAAAASAAAAAAAAAABAAAAAAAAAAEAAABQAAAAAAAAAAAA4D8AAAAAAADgPwAAAAAAAOA/AAAAAAAA4D8AAAAAAADgPwAAAAAAAOA/AAAAAAAA4D8AAAAAAADgPwAAAAAAAOA/AAAAAAAA4D8CAAAAjAAAAAAAAAAAAAAAT4G9DP///wgAAAAAAAAAAAAAAAAAAAAAAAAAAAAAAAAAAAAAZAAAAAEAAABAAAAAAAAAAAAAAAAAAAAAAAAAAAAAAAAAAAAAAAAAAAAAAAAAAAAAAAAAAAAAAAAAAAAAAAAAAAAAAAAAAAAAAAAAAAAAAAAAAAAAAAAAAAAAAAAAAAAAFAAAADwAAAAAAAAAAAAAAAAAAAkUAAAAAQAAABQAAAAUAAAAFAAAAAEAAAAAAAAAZAAAAGQAAAAAAAAAZAAAAGQAAAAVAAAAYAAAAAAAAAAAAAAADwAAACADAAAAAAAAAAAAAAEAAACgMgAAVgcAAKr4//8BAAAAf39/AAEAAABkAAAAAAAAABQAAABAHwAAAAAAACYAAAAAAAAAwOD//wAAAAAmAAAAZAAAABYAAABMAAAAAAAAAAAAAAAEAAAAAAAAAAEAAADu7OEKAAAAACgAAAAoAAAAZAAAAGQAAAAAAAAAzMzMAAAAAABQAAAAUAAAAGQAAABkAAAAAAAAABcAAAAUAAAAAAAAAAAAAAD/fwAA/38AAAAAAAAJAAAABAAAAAAAAAEeAAAAaAAAAAAAAAAAAAAAAAAAAAAAAAAAAAAAECcAABAnAAAAAAAAAAAAAAAAAAAAAAAAAAAAAAAAAAAAAAAAAAAAABQAAAAAAAAAwMD/AAAAAABkAAAAMgAAAAAAAABkAAAAAAAAAH9/fwAKAAAAIgAAABgAAAAAAAAAAAAAAAAAAAAAAAAAAAAAAAAAAAAkAAAAJAAAAAAAAAAHAAAAAAAAAAAAAAAAAAAAAAAAAAAAAAAAAAAAf39/ACUAAABYAAAAAAAAAAAAAAAAAAAAAAAAAAAAAAAAAAAAAAAAAAAAAAAAAAAAAAAAAAAAAAA/AAAAAAAAAKCGAQAAAAAAAAAAAAAAAAAMAAAAAQAAAAAAAAAAAAAAAAAAAB8AAABUAAAAAAAABQAAAAEAAAAAAAAAAAAAAAAAAAAAAAAAAAAAAAAAAAAAAAAAAAAAAAJ/f38AAAAAA8zMzADAwP8Af39/AAAAAAAAAAAAAAAAAAAAAAAAAAAAIQAAABgAAAAUAAAAOBMAABonAAAIJQAAWSkAABAAAAAmAAAACAAAAAAAAAAAAAAA"/>
               </a:ext>
             </a:extLst>
           </p:cNvSpPr>
@@ -476,7 +477,7 @@
             <a:spLocks noGrp="1" noChangeArrowheads="1"/>
             <a:extLst>
               <a:ext uri="smNativeData">
-                <pr:smNativeData xmlns:pr="smNativeData" xmlns="smNativeData" val="SMDATA_15_JtjWYhMAAAAlAAAAZAAAAA0AAAAAkAAAAEgAAACQAAAASAAAAAAAAAABAAAAAAAAAAEAAABQAAAAAAAAAAAA4D8AAAAAAADgPwAAAAAAAOA/AAAAAAAA4D8AAAAAAADgPwAAAAAAAOA/AAAAAAAA4D8AAAAAAADgPwAAAAAAAOA/AAAAAAAA4D8CAAAAjAAAAAAAAAAAAAAAT4G9DP///wgAAAAAAAAAAAAAAAAAAAAAAAAAAAAAAAAAAAAAZAAAAAEAAABAAAAAAAAAAAAAAAAAAAAAAAAAAAAAAAAAAAAAAAAAAAAAAAAAAAAAAAAAAAAAAAAAAAAAAAAAAAAAAAAAAAAAAAAAAAAAAAAAAAAAAAAAAAAAAAAAAAAAFAAAADwAAAAAAAAAAAAAAAAAAAkUAAAAAQAAABQAAAAUAAAAFAAAAAEAAAAAAAAAZAAAAGQAAAAAAAAAZAAAAGQAAAAVAAAAYAAAAAAAAAAAAAAADwAAACADAAAAAAAAAAAAAAEAAACgMgAAVgcAAKr4//8BAAAAf39/AAEAAABkAAAAAAAAABQAAABAHwAAAAAAACYAAAAAAAAAwOD//wAAAAAmAAAAZAAAABYAAABMAAAAAAAAAAAAAAAEAAAAAAAAAAEAAADu7OEKAAAAACgAAAAoAAAAZAAAAGQAAAAAAAAAzMzMAAAAAABQAAAAUAAAAGQAAABkAAAAAAAAABcAAAAUAAAAAAAAAAAAAAD/fwAA/38AAAAAAAAJAAAABAAAADAwIiAeAAAAaAAAAAAAAAAAAAAAAAAAAAAAAAAAAAAAECcAABAnAAAAAAAAAAAAAAAAAAAAAAAAAAAAAAAAAAAAAAAAAAAAABQAAAAAAAAAwMD/AAAAAABkAAAAMgAAAAAAAABkAAAAAAAAAH9/fwAKAAAAIgAAABgAAAAAAAAAAAAAAAAAAAAAAAAAAAAAAAAAAAAkAAAAJAAAAAAAAAAHAAAAAAAAAAAAAAAAAAAAAAAAAAAAAAAAAAAAf39/ACUAAABYAAAAAAAAAAAAAAAAAAAAAAAAAAAAAAAAAAAAAAAAAAAAAAAAAAAAAAAAAAAAAAA/AAAAAAAAAKCGAQAAAAAAAAAAAAAAAAAMAAAAAQAAAAAAAAAAAAAAAAAAAB8AAABUAAAAAAAABQAAAAEAAAAAAAAAAAAAAAAAAAAAAAAAAAAAAAAAAAAAAAAAAAAAAAJ/f38AAAAAA8zMzADAwP8Af39/AAAAAAAAAAAAAAAAAAAAAAAAAAAAIQAAABgAAAAUAAAAUCgAABonAABwNQAAWSkAABAAAAAmAAAACAAAAAAAAAAAAAAA"/>
+                <pr:smNativeData xmlns:pr="smNativeData" xmlns="smNativeData" val="SMDATA_15_iunWYhMAAAAlAAAAZAAAAA0AAAAAkAAAAEgAAACQAAAASAAAAAAAAAABAAAAAAAAAAEAAABQAAAAAAAAAAAA4D8AAAAAAADgPwAAAAAAAOA/AAAAAAAA4D8AAAAAAADgPwAAAAAAAOA/AAAAAAAA4D8AAAAAAADgPwAAAAAAAOA/AAAAAAAA4D8CAAAAjAAAAAAAAAAAAAAAT4G9DP///wgAAAAAAAAAAAAAAAAAAAAAAAAAAAAAAAAAAAAAZAAAAAEAAABAAAAAAAAAAAAAAAAAAAAAAAAAAAAAAAAAAAAAAAAAAAAAAAAAAAAAAAAAAAAAAAAAAAAAAAAAAAAAAAAAAAAAAAAAAAAAAAAAAAAAAAAAAAAAAAAAAAAAFAAAADwAAAAAAAAAAAAAAAAAAAkUAAAAAQAAABQAAAAUAAAAFAAAAAEAAAAAAAAAZAAAAGQAAAAAAAAAZAAAAGQAAAAVAAAAYAAAAAAAAAAAAAAADwAAACADAAAAAAAAAAAAAAEAAACgMgAAVgcAAKr4//8BAAAAf39/AAEAAABkAAAAAAAAABQAAABAHwAAAAAAACYAAAAAAAAAwOD//wAAAAAmAAAAZAAAABYAAABMAAAAAAAAAAAAAAAEAAAAAAAAAAEAAADu7OEKAAAAACgAAAAoAAAAZAAAAGQAAAAAAAAAzMzMAAAAAABQAAAAUAAAAGQAAABkAAAAAAAAABcAAAAUAAAAAAAAAAAAAAD/fwAA/38AAAAAAAAJAAAABAAAADAwIiAeAAAAaAAAAAAAAAAAAAAAAAAAAAAAAAAAAAAAECcAABAnAAAAAAAAAAAAAAAAAAAAAAAAAAAAAAAAAAAAAAAAAAAAABQAAAAAAAAAwMD/AAAAAABkAAAAMgAAAAAAAABkAAAAAAAAAH9/fwAKAAAAIgAAABgAAAAAAAAAAAAAAAAAAAAAAAAAAAAAAAAAAAAkAAAAJAAAAAAAAAAHAAAAAAAAAAAAAAAAAAAAAAAAAAAAAAAAAAAAf39/ACUAAABYAAAAAAAAAAAAAAAAAAAAAAAAAAAAAAAAAAAAAAAAAAAAAAAAAAAAAAAAAAAAAAA/AAAAAAAAAKCGAQAAAAAAAAAAAAAAAAAMAAAAAQAAAAAAAAAAAAAAAAAAAB8AAABUAAAAAAAABQAAAAEAAAAAAAAAAAAAAAAAAAAAAAAAAAAAAAAAAAAAAAAAAAAAAAJ/f38AAAAAA8zMzADAwP8Af39/AAAAAAAAAAAAAAAAAAAAAAAAAAAAIQAAABgAAAAUAAAAUCgAABonAABwNQAAWSkAABAAAAAmAAAACAAAAAAAAAAAAAAA"/>
               </a:ext>
             </a:extLst>
           </p:cNvSpPr>
@@ -492,7 +493,7 @@
             <a:pPr>
               <a:defRPr lang="fr-fr"/>
             </a:pPr>
-            <a:fld id="{6AE32577-3987-B6D3-C95B-CF866B153F9A}" type="slidenum">
+            <a:fld id="{2068DCFA-B4CD-3D2A-83D0-427F929E7517}" type="slidenum">
               <a:t/>
             </a:fld>
           </a:p>
@@ -531,7 +532,7 @@
             <a:spLocks noGrp="1" noChangeArrowheads="1"/>
             <a:extLst>
               <a:ext uri="smNativeData">
-                <pr:smNativeData xmlns:pr="smNativeData" xmlns="smNativeData" val="SMDATA_15_JtjWYhMAAAAlAAAAZAAAAA0AAAAAkAAAAEgAAACQAAAASAAAAAAAAAABAAAAAAAAAAEAAABQAAAAAAAAAAAA4D8AAAAAAADgPwAAAAAAAOA/AAAAAAAA4D8AAAAAAADgPwAAAAAAAOA/AAAAAAAA4D8AAAAAAADgPwAAAAAAAOA/AAAAAAAA4D8CAAAAjAAAAAAAAAAAAAAAT4G9DP///wgAAAAAAAAAAAAAAAAAAAAAAAAAAAAAAAAAAAAAZAAAAAEAAABAAAAAAAAAAAAAAAAAAAAAAAAAAAAAAAAAAAAAAAAAAAAAAAAAAAAAAAAAAAAAAAAAAAAAAAAAAAAAAAAAAAAAAAAAAAAAAAAAAAAAAAAAAAAAAAAAAAAAFAAAADwAAAAAAAAAAAAAAAAAAAkUAAAAAQAAABQAAAAUAAAAFAAAAAEAAAAAAAAAZAAAAGQAAAAAAAAAZAAAAGQAAAAVAAAAYAAAAAAAAAAAAAAADwAAACADAAAAAAAAAAAAAAEAAACgMgAAVgcAAKr4//8BAAAAf39/AAEAAABkAAAAAAAAABQAAABAHwAAAAAAACYAAAAAAAAAwOD//wAAAAAmAAAAZAAAABYAAABMAAAAAAAAAAAAAAAEAAAAAAAAAAEAAADu7OEKAAAAACgAAAAoAAAAZAAAAGQAAAAAAAAAzMzMAAAAAABQAAAAUAAAAGQAAABkAAAAAAAAABcAAAAUAAAAAAAAAAAAAAD/fwAA/38AAAAAAAAJAAAABAAAABB7SpceAAAAaAAAAAAAAAAAAAAAAAAAAAAAAAAAAAAAECcAABAnAAAAAAAAAAAAAAAAAAAAAAAAAAAAAAAAAAAAAAAAAAAAABQAAAAAAAAAwMD/AAAAAABkAAAAMgAAAAAAAABkAAAAAAAAAH9/fwAKAAAAIgAAABgAAAAAAAAAAAAAAAAAAAAAAAAAAAAAAAAAAAAkAAAAJAAAAAAAAAAHAAAAAAAAAAAAAAAAAAAAAAAAAAAAAAAAAAAAf39/ACUAAABYAAAAAAAAAAAAAAAAAAAAAAAAAAAAAAAAAAAAAAAAAAAAAAAAAAAAAAAAAAAAAAA/AAAAAAAAAKCGAQAAAAAAAAAAAAAAAAAMAAAAAQAAAAAAAAAAAAAAAAAAAB8AAABUAAAAAAAABQAAAAEAAAAAAAAAAAAAAAAAAAAAAAAAAAAAAAAAAAAAAAAAAAAAAAJ/f38AAAAAA8zMzADAwP8Af39/AAAAAAAAAAAAAAAAAAAAAAAAAAAAIQAAABgAAAAUAAAA0AIAALEBAABwNQAAuQgAABAAAAAmAAAACAAAAAAAAAAAAAAA"/>
+                <pr:smNativeData xmlns:pr="smNativeData" xmlns="smNativeData" val="SMDATA_15_iunWYhMAAAAlAAAAZAAAAA0AAAAAkAAAAEgAAACQAAAASAAAAAAAAAABAAAAAAAAAAEAAABQAAAAAAAAAAAA4D8AAAAAAADgPwAAAAAAAOA/AAAAAAAA4D8AAAAAAADgPwAAAAAAAOA/AAAAAAAA4D8AAAAAAADgPwAAAAAAAOA/AAAAAAAA4D8CAAAAjAAAAAAAAAAAAAAAT4G9DP///wgAAAAAAAAAAAAAAAAAAAAAAAAAAAAAAAAAAAAAZAAAAAEAAABAAAAAAAAAAAAAAAAAAAAAAAAAAAAAAAAAAAAAAAAAAAAAAAAAAAAAAAAAAAAAAAAAAAAAAAAAAAAAAAAAAAAAAAAAAAAAAAAAAAAAAAAAAAAAAAAAAAAAFAAAADwAAAAAAAAAAAAAAAAAAAkUAAAAAQAAABQAAAAUAAAAFAAAAAEAAAAAAAAAZAAAAGQAAAAAAAAAZAAAAGQAAAAVAAAAYAAAAAAAAAAAAAAADwAAACADAAAAAAAAAAAAAAEAAACgMgAAVgcAAKr4//8BAAAAf39/AAEAAABkAAAAAAAAABQAAABAHwAAAAAAACYAAAAAAAAAwOD//wAAAAAmAAAAZAAAABYAAABMAAAAAAAAAAAAAAAEAAAAAAAAAAEAAADu7OEKAAAAACgAAAAoAAAAZAAAAGQAAAAAAAAAzMzMAAAAAABQAAAAUAAAAGQAAABkAAAAAAAAABcAAAAUAAAAAAAAAAAAAAD/fwAA/38AAAAAAAAJAAAABAAAABB7SpceAAAAaAAAAAAAAAAAAAAAAAAAAAAAAAAAAAAAECcAABAnAAAAAAAAAAAAAAAAAAAAAAAAAAAAAAAAAAAAAAAAAAAAABQAAAAAAAAAwMD/AAAAAABkAAAAMgAAAAAAAABkAAAAAAAAAH9/fwAKAAAAIgAAABgAAAAAAAAAAAAAAAAAAAAAAAAAAAAAAAAAAAAkAAAAJAAAAAAAAAAHAAAAAAAAAAAAAAAAAAAAAAAAAAAAAAAAAAAAf39/ACUAAABYAAAAAAAAAAAAAAAAAAAAAAAAAAAAAAAAAAAAAAAAAAAAAAAAAAAAAAAAAAAAAAA/AAAAAAAAAKCGAQAAAAAAAAAAAAAAAAAMAAAAAQAAAAAAAAAAAAAAAAAAAB8AAABUAAAAAAAABQAAAAEAAAAAAAAAAAAAAAAAAAAAAAAAAAAAAAAAAAAAAAAAAAAAAAJ/f38AAAAAA8zMzADAwP8Af39/AAAAAAAAAAAAAAAAAAAAAAAAAAAAIQAAABgAAAAUAAAA0AIAALEBAABwNQAAuQgAABAAAAAmAAAACAAAAAAAAAAAAAAA"/>
               </a:ext>
             </a:extLst>
           </p:cNvSpPr>
@@ -560,7 +561,7 @@
             <a:spLocks noGrp="1" noChangeArrowheads="1"/>
             <a:extLst>
               <a:ext uri="smNativeData">
-                <pr:smNativeData xmlns:pr="smNativeData" xmlns="smNativeData" val="SMDATA_15_JtjWYhMAAAAlAAAAZAAAAA0AAAAAkAAAAEgAAACQAAAASAAAAAAAAAAAAAAAAQAAAAEAAABQAAAAAAAAAAAA4D8AAAAAAADgPwAAAAAAAOA/AAAAAAAA4D8AAAAAAADgPwAAAAAAAOA/AAAAAAAA4D8AAAAAAADgPwAAAAAAAOA/AAAAAAAA4D8CAAAAjAAAAAAAAAAAAAAAT4G9DP///wgAAAAAAAAAAAAAAAAAAAAAAAAAAAAAAAAAAAAAZAAAAAEAAABAAAAAAAAAAAAAAAAAAAAAAAAAAAAAAAAAAAAAAAAAAAAAAAAAAAAAAAAAAAAAAAAAAAAAAAAAAAAAAAAAAAAAAAAAAAAAAAAAAAAAAAAAAAAAAAAAAAAAFAAAADwAAAAAAAAAAAAAAAAAAAkUAAAAAQAAABQAAAAUAAAAFAAAAAEAAAAAAAAAZAAAAGQAAAAAAAAAZAAAAGQAAAAVAAAAYAAAAAAAAAAAAAAADwAAACADAAAAAAAAAAAAAAEAAACgMgAAVgcAAKr4//8BAAAAf39/AAEAAABkAAAAAAAAABQAAABAHwAAAAAAACYAAAAAAAAAwOD//wAAAAAmAAAAZAAAABYAAABMAAAAAAAAAAAAAAAEAAAAAAAAAAEAAADu7OEKAAAAACgAAAAoAAAAZAAAAGQAAAAAAAAAzMzMAAAAAABQAAAAUAAAAGQAAABkAAAAAAAAABcAAAAUAAAAAAAAAAAAAAD/fwAA/38AAAAAAAAJAAAABAAAAFRhcmceAAAAaAAAAAAAAAAAAAAAAAAAAAAAAAAAAAAAECcAABAnAAAAAAAAAAAAAAAAAAAAAAAAAAAAAAAAAAAAAAAAAAAAABQAAAAAAAAAwMD/AAAAAABkAAAAMgAAAAAAAABkAAAAAAAAAH9/fwAKAAAAIgAAABgAAAAAAAAAAAAAAAAAAAAAAAAAAAAAAAAAAAAkAAAAJAAAAAAAAAAHAAAAAAAAAAAAAAAAAAAAAAAAAAAAAAAAAAAAf39/ACUAAABYAAAAAAAAAAAAAAAAAAAAAAAAAAAAAAAAAAAAAAAAAAAAAAAAAAAAAAAAAAAAAAA/AAAAAAAAAKCGAQAAAAAAAAAAAAAAAAAMAAAAAQAAAAAAAAAAAAAAAAAAAB8AAABUAAAAAAAABQAAAAEAAAAAAAAAAAAAAAAAAAAAAAAAAAAAAAAAAAAAAAAAAAAAAAJ/f38AAAAAA8zMzADAwP8Af39/AAAAAAAAAAAAAAAAAAAAAAAAAAAAIQAAABgAAAAUAAAA0AIAANgJAABwNQAAsCUAABAAAAAmAAAACAAAAAIAAAAAAAAA"/>
+                <pr:smNativeData xmlns:pr="smNativeData" xmlns="smNativeData" val="SMDATA_15_iunWYhMAAAAlAAAAZAAAAA0AAAAAkAAAAEgAAACQAAAASAAAAAAAAAAAAAAAAQAAAAEAAABQAAAAAAAAAAAA4D8AAAAAAADgPwAAAAAAAOA/AAAAAAAA4D8AAAAAAADgPwAAAAAAAOA/AAAAAAAA4D8AAAAAAADgPwAAAAAAAOA/AAAAAAAA4D8CAAAAjAAAAAAAAAAAAAAAT4G9DP///wgAAAAAAAAAAAAAAAAAAAAAAAAAAAAAAAAAAAAAZAAAAAEAAABAAAAAAAAAAAAAAAAAAAAAAAAAAAAAAAAAAAAAAAAAAAAAAAAAAAAAAAAAAAAAAAAAAAAAAAAAAAAAAAAAAAAAAAAAAAAAAAAAAAAAAAAAAAAAAAAAAAAAFAAAADwAAAAAAAAAAAAAAAAAAAkUAAAAAQAAABQAAAAUAAAAFAAAAAEAAAAAAAAAZAAAAGQAAAAAAAAAZAAAAGQAAAAVAAAAYAAAAAAAAAAAAAAADwAAACADAAAAAAAAAAAAAAEAAACgMgAAVgcAAKr4//8BAAAAf39/AAEAAABkAAAAAAAAABQAAABAHwAAAAAAACYAAAAAAAAAwOD//wAAAAAmAAAAZAAAABYAAABMAAAAAAAAAAAAAAAEAAAAAAAAAAEAAADu7OEKAAAAACgAAAAoAAAAZAAAAGQAAAAAAAAAzMzMAAAAAABQAAAAUAAAAGQAAABkAAAAAAAAABcAAAAUAAAAAAAAAAAAAAD/fwAA/38AAAAAAAAJAAAABAAAAFRhcmceAAAAaAAAAAAAAAAAAAAAAAAAAAAAAAAAAAAAECcAABAnAAAAAAAAAAAAAAAAAAAAAAAAAAAAAAAAAAAAAAAAAAAAABQAAAAAAAAAwMD/AAAAAABkAAAAMgAAAAAAAABkAAAAAAAAAH9/fwAKAAAAIgAAABgAAAAAAAAAAAAAAAAAAAAAAAAAAAAAAAAAAAAkAAAAJAAAAAAAAAAHAAAAAAAAAAAAAAAAAAAAAAAAAAAAAAAAAAAAf39/ACUAAABYAAAAAAAAAAAAAAAAAAAAAAAAAAAAAAAAAAAAAAAAAAAAAAAAAAAAAAAAAAAAAAA/AAAAAAAAAKCGAQAAAAAAAAAAAAAAAAAMAAAAAQAAAAAAAAAAAAAAAAAAAB8AAABUAAAAAAAABQAAAAEAAAAAAAAAAAAAAAAAAAAAAAAAAAAAAAAAAAAAAAAAAAAAAAJ/f38AAAAAA8zMzADAwP8Af39/AAAAAAAAAAAAAAAAAAAAAAAAAAAAIQAAABgAAAAUAAAA0AIAANgJAABwNQAAsCUAABAAAAAmAAAACAAAAAIAAAAAAAAA"/>
               </a:ext>
             </a:extLst>
           </p:cNvSpPr>
@@ -625,7 +626,7 @@
             <a:spLocks noGrp="1" noChangeArrowheads="1"/>
             <a:extLst>
               <a:ext uri="smNativeData">
-                <pr:smNativeData xmlns:pr="smNativeData" xmlns="smNativeData" val="SMDATA_15_JtjWYhMAAAAlAAAAZAAAAA0AAAAAkAAAAEgAAACQAAAASAAAAAAAAAABAAAAAAAAAAEAAABQAAAAAAAAAAAA4D8AAAAAAADgPwAAAAAAAOA/AAAAAAAA4D8AAAAAAADgPwAAAAAAAOA/AAAAAAAA4D8AAAAAAADgPwAAAAAAAOA/AAAAAAAA4D8CAAAAjAAAAAAAAAAAAAAAT4G9DP///wgAAAAAAAAAAAAAAAAAAAAAAAAAAAAAAAAAAAAAZAAAAAEAAABAAAAAAAAAAAAAAAAAAAAAAAAAAAAAAAAAAAAAAAAAAAAAAAAAAAAAAAAAAAAAAAAAAAAAAAAAAAAAAAAAAAAAAAAAAAAAAAAAAAAAAAAAAAAAAAAAAAAAFAAAADwAAAAAAAAAAAAAAAAAAAkUAAAAAQAAABQAAAAUAAAAFAAAAAEAAAAAAAAAZAAAAGQAAAAAAAAAZAAAAGQAAAAVAAAAYAAAAAAAAAAAAAAADwAAACADAAAAAAAAAAAAAAEAAACgMgAAVgcAAKr4//8BAAAAf39/AAEAAABkAAAAAAAAABQAAABAHwAAAAAAACYAAAAAAAAAwOD//wAAAAAmAAAAZAAAABYAAABMAAAAAAAAAAAAAAAEAAAAAAAAAAEAAADu7OEKAAAAACgAAAAoAAAAZAAAAGQAAAAAAAAAzMzMAAAAAABQAAAAUAAAAGQAAABkAAAAAAAAABcAAAAUAAAAAAAAAAAAAAD/fwAA/38AAAAAAAAJAAAABAAAABB7SpceAAAAaAAAAAAAAAAAAAAAAAAAAAAAAAAAAAAAECcAABAnAAAAAAAAAAAAAAAAAAAAAAAAAAAAAAAAAAAAAAAAAAAAABQAAAAAAAAAwMD/AAAAAABkAAAAMgAAAAAAAABkAAAAAAAAAH9/fwAKAAAAIgAAABgAAAAAAAAAAAAAAAAAAAAAAAAAAAAAAAAAAAAkAAAAJAAAAAAAAAAHAAAAAAAAAAAAAAAAAAAAAAAAAAAAAAAAAAAAf39/ACUAAABYAAAAAAAAAAAAAAAAAAAAAAAAAAAAAAAAAAAAAAAAAAAAAAAAAAAAAAAAAAAAAAA/AAAAAAAAAKCGAQAAAAAAAAAAAAAAAAAMAAAAAQAAAAAAAAAAAAAAAAAAAB8AAABUAAAAAAAABQAAAAEAAAAAAAAAAAAAAAAAAAAAAAAAAAAAAAAAAAAAAAAAAAAAAAJ/f38AAAAAA8zMzADAwP8Af39/AAAAAAAAAAAAAAAAAAAAAAAAAAAAIQAAABgAAAAUAAAA0AIAABonAADwDwAAWSkAABAAAAAmAAAACAAAAAAAAAAAAAAA"/>
+                <pr:smNativeData xmlns:pr="smNativeData" xmlns="smNativeData" val="SMDATA_15_iunWYhMAAAAlAAAAZAAAAA0AAAAAkAAAAEgAAACQAAAASAAAAAAAAAABAAAAAAAAAAEAAABQAAAAAAAAAAAA4D8AAAAAAADgPwAAAAAAAOA/AAAAAAAA4D8AAAAAAADgPwAAAAAAAOA/AAAAAAAA4D8AAAAAAADgPwAAAAAAAOA/AAAAAAAA4D8CAAAAjAAAAAAAAAAAAAAAT4G9DP///wgAAAAAAAAAAAAAAAAAAAAAAAAAAAAAAAAAAAAAZAAAAAEAAABAAAAAAAAAAAAAAAAAAAAAAAAAAAAAAAAAAAAAAAAAAAAAAAAAAAAAAAAAAAAAAAAAAAAAAAAAAAAAAAAAAAAAAAAAAAAAAAAAAAAAAAAAAAAAAAAAAAAAFAAAADwAAAAAAAAAAAAAAAAAAAkUAAAAAQAAABQAAAAUAAAAFAAAAAEAAAAAAAAAZAAAAGQAAAAAAAAAZAAAAGQAAAAVAAAAYAAAAAAAAAAAAAAADwAAACADAAAAAAAAAAAAAAEAAACgMgAAVgcAAKr4//8BAAAAf39/AAEAAABkAAAAAAAAABQAAABAHwAAAAAAACYAAAAAAAAAwOD//wAAAAAmAAAAZAAAABYAAABMAAAAAAAAAAAAAAAEAAAAAAAAAAEAAADu7OEKAAAAACgAAAAoAAAAZAAAAGQAAAAAAAAAzMzMAAAAAABQAAAAUAAAAGQAAABkAAAAAAAAABcAAAAUAAAAAAAAAAAAAAD/fwAA/38AAAAAAAAJAAAABAAAABB7SpceAAAAaAAAAAAAAAAAAAAAAAAAAAAAAAAAAAAAECcAABAnAAAAAAAAAAAAAAAAAAAAAAAAAAAAAAAAAAAAAAAAAAAAABQAAAAAAAAAwMD/AAAAAABkAAAAMgAAAAAAAABkAAAAAAAAAH9/fwAKAAAAIgAAABgAAAAAAAAAAAAAAAAAAAAAAAAAAAAAAAAAAAAkAAAAJAAAAAAAAAAHAAAAAAAAAAAAAAAAAAAAAAAAAAAAAAAAAAAAf39/ACUAAABYAAAAAAAAAAAAAAAAAAAAAAAAAAAAAAAAAAAAAAAAAAAAAAAAAAAAAAAAAAAAAAA/AAAAAAAAAKCGAQAAAAAAAAAAAAAAAAAMAAAAAQAAAAAAAAAAAAAAAAAAAB8AAABUAAAAAAAABQAAAAEAAAAAAAAAAAAAAAAAAAAAAAAAAAAAAAAAAAAAAAAAAAAAAAJ/f38AAAAAA8zMzADAwP8Af39/AAAAAAAAAAAAAAAAAAAAAAAAAAAAIQAAABgAAAAUAAAA0AIAABonAADwDwAAWSkAABAAAAAmAAAACAAAAAAAAAAAAAAA"/>
               </a:ext>
             </a:extLst>
           </p:cNvSpPr>
@@ -641,7 +642,7 @@
             <a:pPr>
               <a:defRPr lang="fr-fr"/>
             </a:pPr>
-            <a:fld id="{50652902-4CBD-30DF-F3DD-BA8A679305EF}" type="datetime1">
+            <a:fld id="{6EA7B517-5983-F243-CD1F-AF16FB513BFA}" type="datetime1">
               <a:t>1/04/15</a:t>
             </a:fld>
           </a:p>
@@ -654,7 +655,7 @@
             <a:spLocks noGrp="1" noChangeArrowheads="1"/>
             <a:extLst>
               <a:ext uri="smNativeData">
-                <pr:smNativeData xmlns:pr="smNativeData" xmlns="smNativeData" val="SMDATA_15_JtjWYhMAAAAlAAAAZAAAAA0AAAAAkAAAAEgAAACQAAAASAAAAAAAAAABAAAAAAAAAAEAAABQAAAAAAAAAAAA4D8AAAAAAADgPwAAAAAAAOA/AAAAAAAA4D8AAAAAAADgPwAAAAAAAOA/AAAAAAAA4D8AAAAAAADgPwAAAAAAAOA/AAAAAAAA4D8CAAAAjAAAAAAAAAAAAAAAT4G9DP///wgAAAAAAAAAAAAAAAAAAAAAAAAAAAAAAAAAAAAAZAAAAAEAAABAAAAAAAAAAAAAAAAAAAAAAAAAAAAAAAAAAAAAAAAAAAAAAAAAAAAAAAAAAAAAAAAAAAAAAAAAAAAAAAAAAAAAAAAAAAAAAAAAAAAAAAAAAAAAAAAAAAAAFAAAADwAAAAAAAAAAAAAAAAAAAkUAAAAAQAAABQAAAAUAAAAFAAAAAEAAAAAAAAAZAAAAGQAAAAAAAAAZAAAAGQAAAAVAAAAYAAAAAAAAAAAAAAADwAAACADAAAAAAAAAAAAAAEAAACgMgAAVgcAAKr4//8BAAAAf39/AAEAAABkAAAAAAAAABQAAABAHwAAAAAAACYAAAAAAAAAwOD//wAAAAAmAAAAZAAAABYAAABMAAAAAAAAAAAAAAAEAAAAAAAAAAEAAADu7OEKAAAAACgAAAAoAAAAZAAAAGQAAAAAAAAAzMzMAAAAAABQAAAAUAAAAGQAAABkAAAAAAAAABcAAAAUAAAAAAAAAAAAAAD/fwAA/38AAAAAAAAJAAAABAAAAFRhcmceAAAAaAAAAAAAAAAAAAAAAAAAAAAAAAAAAAAAECcAABAnAAAAAAAAAAAAAAAAAAAAAAAAAAAAAAAAAAAAAAAAAAAAABQAAAAAAAAAwMD/AAAAAABkAAAAMgAAAAAAAABkAAAAAAAAAH9/fwAKAAAAIgAAABgAAAAAAAAAAAAAAAAAAAAAAAAAAAAAAAAAAAAkAAAAJAAAAAAAAAAHAAAAAAAAAAAAAAAAAAAAAAAAAAAAAAAAAAAAf39/ACUAAABYAAAAAAAAAAAAAAAAAAAAAAAAAAAAAAAAAAAAAAAAAAAAAAAAAAAAAAAAAAAAAAA/AAAAAAAAAKCGAQAAAAAAAAAAAAAAAAAMAAAAAQAAAAAAAAAAAAAAAAAAAB8AAABUAAAAAAAABQAAAAEAAAAAAAAAAAAAAAAAAAAAAAAAAAAAAAAAAAAAAAAAAAAAAAJ/f38AAAAAA8zMzADAwP8Af39/AAAAAAAAAAAAAAAAAAAAAAAAAAAAIQAAABgAAAAUAAAAOBMAABonAAAIJQAAWSkAABAAAAAmAAAACAAAAAAAAAAAAAAA"/>
+                <pr:smNativeData xmlns:pr="smNativeData" xmlns="smNativeData" val="SMDATA_15_iunWYhMAAAAlAAAAZAAAAA0AAAAAkAAAAEgAAACQAAAASAAAAAAAAAABAAAAAAAAAAEAAABQAAAAAAAAAAAA4D8AAAAAAADgPwAAAAAAAOA/AAAAAAAA4D8AAAAAAADgPwAAAAAAAOA/AAAAAAAA4D8AAAAAAADgPwAAAAAAAOA/AAAAAAAA4D8CAAAAjAAAAAAAAAAAAAAAT4G9DP///wgAAAAAAAAAAAAAAAAAAAAAAAAAAAAAAAAAAAAAZAAAAAEAAABAAAAAAAAAAAAAAAAAAAAAAAAAAAAAAAAAAAAAAAAAAAAAAAAAAAAAAAAAAAAAAAAAAAAAAAAAAAAAAAAAAAAAAAAAAAAAAAAAAAAAAAAAAAAAAAAAAAAAFAAAADwAAAAAAAAAAAAAAAAAAAkUAAAAAQAAABQAAAAUAAAAFAAAAAEAAAAAAAAAZAAAAGQAAAAAAAAAZAAAAGQAAAAVAAAAYAAAAAAAAAAAAAAADwAAACADAAAAAAAAAAAAAAEAAACgMgAAVgcAAKr4//8BAAAAf39/AAEAAABkAAAAAAAAABQAAABAHwAAAAAAACYAAAAAAAAAwOD//wAAAAAmAAAAZAAAABYAAABMAAAAAAAAAAAAAAAEAAAAAAAAAAEAAADu7OEKAAAAACgAAAAoAAAAZAAAAGQAAAAAAAAAzMzMAAAAAABQAAAAUAAAAGQAAABkAAAAAAAAABcAAAAUAAAAAAAAAAAAAAD/fwAA/38AAAAAAAAJAAAABAAAAFRhcmceAAAAaAAAAAAAAAAAAAAAAAAAAAAAAAAAAAAAECcAABAnAAAAAAAAAAAAAAAAAAAAAAAAAAAAAAAAAAAAAAAAAAAAABQAAAAAAAAAwMD/AAAAAABkAAAAMgAAAAAAAABkAAAAAAAAAH9/fwAKAAAAIgAAABgAAAAAAAAAAAAAAAAAAAAAAAAAAAAAAAAAAAAkAAAAJAAAAAAAAAAHAAAAAAAAAAAAAAAAAAAAAAAAAAAAAAAAAAAAf39/ACUAAABYAAAAAAAAAAAAAAAAAAAAAAAAAAAAAAAAAAAAAAAAAAAAAAAAAAAAAAAAAAAAAAA/AAAAAAAAAKCGAQAAAAAAAAAAAAAAAAAMAAAAAQAAAAAAAAAAAAAAAAAAAB8AAABUAAAAAAAABQAAAAEAAAAAAAAAAAAAAAAAAAAAAAAAAAAAAAAAAAAAAAAAAAAAAAJ/f38AAAAAA8zMzADAwP8Af39/AAAAAAAAAAAAAAAAAAAAAAAAAAAAIQAAABgAAAAUAAAAOBMAABonAAAIJQAAWSkAABAAAAAmAAAACAAAAAAAAAAAAAAA"/>
               </a:ext>
             </a:extLst>
           </p:cNvSpPr>
@@ -680,7 +681,7 @@
             <a:spLocks noGrp="1" noChangeArrowheads="1"/>
             <a:extLst>
               <a:ext uri="smNativeData">
-                <pr:smNativeData xmlns:pr="smNativeData" xmlns="smNativeData" val="SMDATA_15_JtjWYhMAAAAlAAAAZAAAAA0AAAAAkAAAAEgAAACQAAAASAAAAAAAAAABAAAAAAAAAAEAAABQAAAAAAAAAAAA4D8AAAAAAADgPwAAAAAAAOA/AAAAAAAA4D8AAAAAAADgPwAAAAAAAOA/AAAAAAAA4D8AAAAAAADgPwAAAAAAAOA/AAAAAAAA4D8CAAAAjAAAAAAAAAAAAAAAT4G9DP///wgAAAAAAAAAAAAAAAAAAAAAAAAAAAAAAAAAAAAAZAAAAAEAAABAAAAAAAAAAAAAAAAAAAAAAAAAAAAAAAAAAAAAAAAAAAAAAAAAAAAAAAAAAAAAAAAAAAAAAAAAAAAAAAAAAAAAAAAAAAAAAAAAAAAAAAAAAAAAAAAAAAAAFAAAADwAAAAAAAAAAAAAAAAAAAkUAAAAAQAAABQAAAAUAAAAFAAAAAEAAAAAAAAAZAAAAGQAAAAAAAAAZAAAAGQAAAAVAAAAYAAAAAAAAAAAAAAADwAAACADAAAAAAAAAAAAAAEAAACgMgAAVgcAAKr4//8BAAAAf39/AAEAAABkAAAAAAAAABQAAABAHwAAAAAAACYAAAAAAAAAwOD//wAAAAAmAAAAZAAAABYAAABMAAAAAAAAAAAAAAAEAAAAAAAAAAEAAADu7OEKAAAAACgAAAAoAAAAZAAAAGQAAAAAAAAAzMzMAAAAAABQAAAAUAAAAGQAAABkAAAAAAAAABcAAAAUAAAAAAAAAAAAAAD/fwAA/38AAAAAAAAJAAAABAAAABB7SpceAAAAaAAAAAAAAAAAAAAAAAAAAAAAAAAAAAAAECcAABAnAAAAAAAAAAAAAAAAAAAAAAAAAAAAAAAAAAAAAAAAAAAAABQAAAAAAAAAwMD/AAAAAABkAAAAMgAAAAAAAABkAAAAAAAAAH9/fwAKAAAAIgAAABgAAAAAAAAAAAAAAAAAAAAAAAAAAAAAAAAAAAAkAAAAJAAAAAAAAAAHAAAAAAAAAAAAAAAAAAAAAAAAAAAAAAAAAAAAf39/ACUAAABYAAAAAAAAAAAAAAAAAAAAAAAAAAAAAAAAAAAAAAAAAAAAAAAAAAAAAAAAAAAAAAA/AAAAAAAAAKCGAQAAAAAAAAAAAAAAAAAMAAAAAQAAAAAAAAAAAAAAAAAAAB8AAABUAAAAAAAABQAAAAEAAAAAAAAAAAAAAAAAAAAAAAAAAAAAAAAAAAAAAAAAAAAAAAJ/f38AAAAAA8zMzADAwP8Af39/AAAAAAAAAAAAAAAAAAAAAAAAAAAAIQAAABgAAAAUAAAAUCgAABonAABwNQAAWSkAABAAAAAmAAAACAAAAAAAAAAAAAAA"/>
+                <pr:smNativeData xmlns:pr="smNativeData" xmlns="smNativeData" val="SMDATA_15_iunWYhMAAAAlAAAAZAAAAA0AAAAAkAAAAEgAAACQAAAASAAAAAAAAAABAAAAAAAAAAEAAABQAAAAAAAAAAAA4D8AAAAAAADgPwAAAAAAAOA/AAAAAAAA4D8AAAAAAADgPwAAAAAAAOA/AAAAAAAA4D8AAAAAAADgPwAAAAAAAOA/AAAAAAAA4D8CAAAAjAAAAAAAAAAAAAAAT4G9DP///wgAAAAAAAAAAAAAAAAAAAAAAAAAAAAAAAAAAAAAZAAAAAEAAABAAAAAAAAAAAAAAAAAAAAAAAAAAAAAAAAAAAAAAAAAAAAAAAAAAAAAAAAAAAAAAAAAAAAAAAAAAAAAAAAAAAAAAAAAAAAAAAAAAAAAAAAAAAAAAAAAAAAAFAAAADwAAAAAAAAAAAAAAAAAAAkUAAAAAQAAABQAAAAUAAAAFAAAAAEAAAAAAAAAZAAAAGQAAAAAAAAAZAAAAGQAAAAVAAAAYAAAAAAAAAAAAAAADwAAACADAAAAAAAAAAAAAAEAAACgMgAAVgcAAKr4//8BAAAAf39/AAEAAABkAAAAAAAAABQAAABAHwAAAAAAACYAAAAAAAAAwOD//wAAAAAmAAAAZAAAABYAAABMAAAAAAAAAAAAAAAEAAAAAAAAAAEAAADu7OEKAAAAACgAAAAoAAAAZAAAAGQAAAAAAAAAzMzMAAAAAABQAAAAUAAAAGQAAABkAAAAAAAAABcAAAAUAAAAAAAAAAAAAAD/fwAA/38AAAAAAAAJAAAABAAAABB7SpceAAAAaAAAAAAAAAAAAAAAAAAAAAAAAAAAAAAAECcAABAnAAAAAAAAAAAAAAAAAAAAAAAAAAAAAAAAAAAAAAAAAAAAABQAAAAAAAAAwMD/AAAAAABkAAAAMgAAAAAAAABkAAAAAAAAAH9/fwAKAAAAIgAAABgAAAAAAAAAAAAAAAAAAAAAAAAAAAAAAAAAAAAkAAAAJAAAAAAAAAAHAAAAAAAAAAAAAAAAAAAAAAAAAAAAAAAAAAAAf39/ACUAAABYAAAAAAAAAAAAAAAAAAAAAAAAAAAAAAAAAAAAAAAAAAAAAAAAAAAAAAAAAAAAAAA/AAAAAAAAAKCGAQAAAAAAAAAAAAAAAAAMAAAAAQAAAAAAAAAAAAAAAAAAAB8AAABUAAAAAAAABQAAAAEAAAAAAAAAAAAAAAAAAAAAAAAAAAAAAAAAAAAAAAAAAAAAAAJ/f38AAAAAA8zMzADAwP8Af39/AAAAAAAAAAAAAAAAAAAAAAAAAAAAIQAAABgAAAAUAAAAUCgAABonAABwNQAAWSkAABAAAAAmAAAACAAAAAAAAAAAAAAA"/>
               </a:ext>
             </a:extLst>
           </p:cNvSpPr>
@@ -696,7 +697,7 @@
             <a:pPr>
               <a:defRPr lang="fr-fr"/>
             </a:pPr>
-            <a:fld id="{7BEF373C-7296-BAC1-D857-849479192ED1}" type="slidenum">
+            <a:fld id="{7C8DDBFA-B491-D82D-DF35-4278957B2917}" type="slidenum">
               <a:t>‹#›</a:t>
             </a:fld>
           </a:p>
@@ -735,7 +736,7 @@
             <a:spLocks noGrp="1" noChangeArrowheads="1"/>
             <a:extLst>
               <a:ext uri="smNativeData">
-                <pr:smNativeData xmlns:pr="smNativeData" xmlns="smNativeData" val="SMDATA_15_JtjWYhMAAAAlAAAAZAAAAA0AAAAAkAAAAEgAAACQAAAASAAAAAAAAAABAAAAAQAAAAEAAABQAAAAAAAAAAAA4D8AAAAAAADgPwAAAAAAAOA/AAAAAAAA4D8AAAAAAADgPwAAAAAAAOA/AAAAAAAA4D8AAAAAAADgPwAAAAAAAOA/AAAAAAAA4D8CAAAAjAAAAAAAAAAAAAAAT4G9DP///wgAAAAAAAAAAAAAAAAAAAAAAAAAAAAAAAAAAAAAZAAAAAEAAABAAAAAAAAAAAAAAAAAAAAAAAAAAAAAAAAAAAAAAAAAAAAAAAAAAAAAAAAAAAAAAAAAAAAAAAAAAAAAAAAAAAAAAAAAAAAAAAAAAAAAAAAAAAAAAAAAAAAAFAAAADwAAAAAAAAAAAAAAAAAAAkUAAAAAQAAABQAAAAUAAAAFAAAAAEAAAAAAAAAZAAAAGQAAAAAAAAAZAAAAGQAAAAVAAAAYAAAAAAAAAAAAAAADwAAACADAAAAAAAAAAAAAAEAAACgMgAAVgcAAKr4//8BAAAAf39/AAEAAABkAAAAAAAAABQAAABAHwAAAAAAACYAAAAAAAAAwOD//wAAAAAmAAAAZAAAABYAAABMAAAAAAAAAAAAAAAEAAAAAAAAAAEAAADu7OEKAAAAACgAAAAoAAAAZAAAAGQAAAAAAAAAzMzMAAAAAABQAAAAUAAAAGQAAABkAAAAAAAAABcAAAAUAAAAAAAAAAAAAAD/fwAA/38AAAAAAAAJAAAABAAAANAgJgEeAAAAaAAAAAAAAAAAAAAAAAAAAAAAAAAAAAAAECcAABAnAAAAAAAAAAAAAAAAAAAAAAAAAAAAAAAAAAAAAAAAAAAAABQAAAAAAAAAwMD/AAAAAABkAAAAMgAAAAAAAABkAAAAAAAAAH9/fwAKAAAAIgAAABgAAAAAAAAAAAAAAAAAAAAAAAAAAAAAAAAAAAAkAAAAJAAAAAAAAAAHAAAAAAAAAAAAAAAAAAAAAAAAAAAAAAAAAAAAf39/ACUAAABYAAAAAAAAAAAAAAAAAAAAAAAAAAAAAAAAAAAAAAAAAAAAAAAAAAAAAAAAAAAAAAA/AAAAAAAAAKCGAQAAAAAAAAAAAAAAAAAMAAAAAQAAAAAAAAAAAAAAAAAAAB8AAABUAAAAAAAABQAAAAEAAAAAAAAAAAAAAAAAAAAAAAAAAAAAAAAAAAAAAAAAAAAAAAJ/f38AAAAAA8zMzADAwP8Af39/AAAAAAAAAAAAAAAAAAAAAAAAAAAAIQAAABgAAAAUAAAAyCgAALEBAABwNQAAsCUAABAAAAAmAAAACAAAAAMAAAAAAAAA"/>
+                <pr:smNativeData xmlns:pr="smNativeData" xmlns="smNativeData" val="SMDATA_15_iunWYhMAAAAlAAAAZAAAAA0AAAAAkAAAAEgAAACQAAAASAAAAAAAAAABAAAAAQAAAAEAAABQAAAAAAAAAAAA4D8AAAAAAADgPwAAAAAAAOA/AAAAAAAA4D8AAAAAAADgPwAAAAAAAOA/AAAAAAAA4D8AAAAAAADgPwAAAAAAAOA/AAAAAAAA4D8CAAAAjAAAAAAAAAAAAAAAT4G9DP///wgAAAAAAAAAAAAAAAAAAAAAAAAAAAAAAAAAAAAAZAAAAAEAAABAAAAAAAAAAAAAAAAAAAAAAAAAAAAAAAAAAAAAAAAAAAAAAAAAAAAAAAAAAAAAAAAAAAAAAAAAAAAAAAAAAAAAAAAAAAAAAAAAAAAAAAAAAAAAAAAAAAAAFAAAADwAAAAAAAAAAAAAAAAAAAkUAAAAAQAAABQAAAAUAAAAFAAAAAEAAAAAAAAAZAAAAGQAAAAAAAAAZAAAAGQAAAAVAAAAYAAAAAAAAAAAAAAADwAAACADAAAAAAAAAAAAAAEAAACgMgAAVgcAAKr4//8BAAAAf39/AAEAAABkAAAAAAAAABQAAABAHwAAAAAAACYAAAAAAAAAwOD//wAAAAAmAAAAZAAAABYAAABMAAAAAAAAAAAAAAAEAAAAAAAAAAEAAADu7OEKAAAAACgAAAAoAAAAZAAAAGQAAAAAAAAAzMzMAAAAAABQAAAAUAAAAGQAAABkAAAAAAAAABcAAAAUAAAAAAAAAAAAAAD/fwAA/38AAAAAAAAJAAAABAAAANAgJgEeAAAAaAAAAAAAAAAAAAAAAAAAAAAAAAAAAAAAECcAABAnAAAAAAAAAAAAAAAAAAAAAAAAAAAAAAAAAAAAAAAAAAAAABQAAAAAAAAAwMD/AAAAAABkAAAAMgAAAAAAAABkAAAAAAAAAH9/fwAKAAAAIgAAABgAAAAAAAAAAAAAAAAAAAAAAAAAAAAAAAAAAAAkAAAAJAAAAAAAAAAHAAAAAAAAAAAAAAAAAAAAAAAAAAAAAAAAAAAAf39/ACUAAABYAAAAAAAAAAAAAAAAAAAAAAAAAAAAAAAAAAAAAAAAAAAAAAAAAAAAAAAAAAAAAAA/AAAAAAAAAKCGAQAAAAAAAAAAAAAAAAAMAAAAAQAAAAAAAAAAAAAAAAAAAB8AAABUAAAAAAAABQAAAAEAAAAAAAAAAAAAAAAAAAAAAAAAAAAAAAAAAAAAAAAAAAAAAAJ/f38AAAAAA8zMzADAwP8Af39/AAAAAAAAAAAAAAAAAAAAAAAAAAAAIQAAABgAAAAUAAAAyCgAALEBAABwNQAAsCUAABAAAAAmAAAACAAAAAMAAAAAAAAA"/>
               </a:ext>
             </a:extLst>
           </p:cNvSpPr>
@@ -773,7 +774,7 @@
             <a:spLocks noGrp="1" noChangeArrowheads="1"/>
             <a:extLst>
               <a:ext uri="smNativeData">
-                <pr:smNativeData xmlns:pr="smNativeData" xmlns="smNativeData" val="SMDATA_15_JtjWYhMAAAAlAAAAZAAAAA0AAAAAkAAAAEgAAACQAAAASAAAAAAAAAAAAAAAAQAAAAEAAABQAAAAAAAAAAAA4D8AAAAAAADgPwAAAAAAAOA/AAAAAAAA4D8AAAAAAADgPwAAAAAAAOA/AAAAAAAA4D8AAAAAAADgPwAAAAAAAOA/AAAAAAAA4D8CAAAAjAAAAAAAAAAAAAAAT4G9DP///wgAAAAAAAAAAAAAAAAAAAAAAAAAAAAAAAAAAAAAZAAAAAEAAABAAAAAAAAAAAAAAAAAAAAAAAAAAAAAAAAAAAAAAAAAAAAAAAAAAAAAAAAAAAAAAAAAAAAAAAAAAAAAAAAAAAAAAAAAAAAAAAAAAAAAAAAAAAAAAAAAAAAAFAAAADwAAAAAAAAAAAAAAAAAAAkUAAAAAQAAABQAAAAUAAAAFAAAAAEAAAAAAAAAZAAAAGQAAAAAAAAAZAAAAGQAAAAVAAAAYAAAAAAAAAAAAAAADwAAACADAAAAAAAAAAAAAAEAAACgMgAAVgcAAKr4//8BAAAAf39/AAEAAABkAAAAAAAAABQAAABAHwAAAAAAACYAAAAAAAAAwOD//wAAAAAmAAAAZAAAABYAAABMAAAAAAAAAAAAAAAEAAAAAAAAAAEAAADu7OEKAAAAACgAAAAoAAAAZAAAAGQAAAAAAAAAzMzMAAAAAABQAAAAUAAAAGQAAABkAAAAAAAAABcAAAAUAAAAAAAAAAAAAAD/fwAA/38AAAAAAAAJAAAABAAAAFRhcmceAAAAaAAAAAAAAAAAAAAAAAAAAAAAAAAAAAAAECcAABAnAAAAAAAAAAAAAAAAAAAAAAAAAAAAAAAAAAAAAAAAAAAAABQAAAAAAAAAwMD/AAAAAABkAAAAMgAAAAAAAABkAAAAAAAAAH9/fwAKAAAAIgAAABgAAAAAAAAAAAAAAAAAAAAAAAAAAAAAAAAAAAAkAAAAJAAAAAAAAAAHAAAAAAAAAAAAAAAAAAAAAAAAAAAAAAAAAAAAf39/ACUAAABYAAAAAAAAAAAAAAAAAAAAAAAAAAAAAAAAAAAAAAAAAAAAAAAAAAAAAAAAAAAAAAA/AAAAAAAAAKCGAQAAAAAAAAAAAAAAAAAMAAAAAQAAAAAAAAAAAAAAAAAAAB8AAABUAAAAAAAABQAAAAEAAAAAAAAAAAAAAAAAAAAAAAAAAAAAAAAAAAAAAAAAAAAAAAJ/f38AAAAAA8zMzADAwP8Af39/AAAAAAAAAAAAAAAAAAAAAAAAAAAAIQAAABgAAAAUAAAA0AIAALEBAADYJwAAsCUAABAAAAAmAAAACAAAAAMAAAAAAAAA"/>
+                <pr:smNativeData xmlns:pr="smNativeData" xmlns="smNativeData" val="SMDATA_15_iunWYhMAAAAlAAAAZAAAAA0AAAAAkAAAAEgAAACQAAAASAAAAAAAAAAAAAAAAQAAAAEAAABQAAAAAAAAAAAA4D8AAAAAAADgPwAAAAAAAOA/AAAAAAAA4D8AAAAAAADgPwAAAAAAAOA/AAAAAAAA4D8AAAAAAADgPwAAAAAAAOA/AAAAAAAA4D8CAAAAjAAAAAAAAAAAAAAAT4G9DP///wgAAAAAAAAAAAAAAAAAAAAAAAAAAAAAAAAAAAAAZAAAAAEAAABAAAAAAAAAAAAAAAAAAAAAAAAAAAAAAAAAAAAAAAAAAAAAAAAAAAAAAAAAAAAAAAAAAAAAAAAAAAAAAAAAAAAAAAAAAAAAAAAAAAAAAAAAAAAAAAAAAAAAFAAAADwAAAAAAAAAAAAAAAAAAAkUAAAAAQAAABQAAAAUAAAAFAAAAAEAAAAAAAAAZAAAAGQAAAAAAAAAZAAAAGQAAAAVAAAAYAAAAAAAAAAAAAAADwAAACADAAAAAAAAAAAAAAEAAACgMgAAVgcAAKr4//8BAAAAf39/AAEAAABkAAAAAAAAABQAAABAHwAAAAAAACYAAAAAAAAAwOD//wAAAAAmAAAAZAAAABYAAABMAAAAAAAAAAAAAAAEAAAAAAAAAAEAAADu7OEKAAAAACgAAAAoAAAAZAAAAGQAAAAAAAAAzMzMAAAAAABQAAAAUAAAAGQAAABkAAAAAAAAABcAAAAUAAAAAAAAAAAAAAD/fwAA/38AAAAAAAAJAAAABAAAAFRhcmceAAAAaAAAAAAAAAAAAAAAAAAAAAAAAAAAAAAAECcAABAnAAAAAAAAAAAAAAAAAAAAAAAAAAAAAAAAAAAAAAAAAAAAABQAAAAAAAAAwMD/AAAAAABkAAAAMgAAAAAAAABkAAAAAAAAAH9/fwAKAAAAIgAAABgAAAAAAAAAAAAAAAAAAAAAAAAAAAAAAAAAAAAkAAAAJAAAAAAAAAAHAAAAAAAAAAAAAAAAAAAAAAAAAAAAAAAAAAAAf39/ACUAAABYAAAAAAAAAAAAAAAAAAAAAAAAAAAAAAAAAAAAAAAAAAAAAAAAAAAAAAAAAAAAAAA/AAAAAAAAAKCGAQAAAAAAAAAAAAAAAAAMAAAAAQAAAAAAAAAAAAAAAAAAAB8AAABUAAAAAAAABQAAAAEAAAAAAAAAAAAAAAAAAAAAAAAAAAAAAAAAAAAAAAAAAAAAAAJ/f38AAAAAA8zMzADAwP8Af39/AAAAAAAAAAAAAAAAAAAAAAAAAAAAIQAAABgAAAAUAAAA0AIAALEBAADYJwAAsCUAABAAAAAmAAAACAAAAAMAAAAAAAAA"/>
               </a:ext>
             </a:extLst>
           </p:cNvSpPr>
@@ -843,7 +844,7 @@
             <a:spLocks noGrp="1" noChangeArrowheads="1"/>
             <a:extLst>
               <a:ext uri="smNativeData">
-                <pr:smNativeData xmlns:pr="smNativeData" xmlns="smNativeData" val="SMDATA_15_JtjWYhMAAAAlAAAAZAAAAA0AAAAAkAAAAEgAAACQAAAASAAAAAAAAAABAAAAAAAAAAEAAABQAAAAAAAAAAAA4D8AAAAAAADgPwAAAAAAAOA/AAAAAAAA4D8AAAAAAADgPwAAAAAAAOA/AAAAAAAA4D8AAAAAAADgPwAAAAAAAOA/AAAAAAAA4D8CAAAAjAAAAAAAAAAAAAAAT4G9DP///wgAAAAAAAAAAAAAAAAAAAAAAAAAAAAAAAAAAAAAZAAAAAEAAABAAAAAAAAAAAAAAAAAAAAAAAAAAAAAAAAAAAAAAAAAAAAAAAAAAAAAAAAAAAAAAAAAAAAAAAAAAAAAAAAAAAAAAAAAAAAAAAAAAAAAAAAAAAAAAAAAAAAAFAAAADwAAAAAAAAAAAAAAAAAAAkUAAAAAQAAABQAAAAUAAAAFAAAAAEAAAAAAAAAZAAAAGQAAAAAAAAAZAAAAGQAAAAVAAAAYAAAAAAAAAAAAAAADwAAACADAAAAAAAAAAAAAAEAAACgMgAAVgcAAKr4//8BAAAAf39/AAEAAABkAAAAAAAAABQAAABAHwAAAAAAACYAAAAAAAAAwOD//wAAAAAmAAAAZAAAABYAAABMAAAAAAAAAAAAAAAEAAAAAAAAAAEAAADu7OEKAAAAACgAAAAoAAAAZAAAAGQAAAAAAAAAzMzMAAAAAABQAAAAUAAAAGQAAABkAAAAAAAAABcAAAAUAAAAAAAAAAAAAAD/fwAA/38AAAAAAAAJAAAABAAAABB7SpceAAAAaAAAAAAAAAAAAAAAAAAAAAAAAAAAAAAAECcAABAnAAAAAAAAAAAAAAAAAAAAAAAAAAAAAAAAAAAAAAAAAAAAABQAAAAAAAAAwMD/AAAAAABkAAAAMgAAAAAAAABkAAAAAAAAAH9/fwAKAAAAIgAAABgAAAAAAAAAAAAAAAAAAAAAAAAAAAAAAAAAAAAkAAAAJAAAAAAAAAAHAAAAAAAAAAAAAAAAAAAAAAAAAAAAAAAAAAAAf39/ACUAAABYAAAAAAAAAAAAAAAAAAAAAAAAAAAAAAAAAAAAAAAAAAAAAAAAAAAAAAAAAAAAAAA/AAAAAAAAAKCGAQAAAAAAAAAAAAAAAAAMAAAAAQAAAAAAAAAAAAAAAAAAAB8AAABUAAAAAAAABQAAAAEAAAAAAAAAAAAAAAAAAAAAAAAAAAAAAAAAAAAAAAAAAAAAAAJ/f38AAAAAA8zMzADAwP8Af39/AAAAAAAAAAAAAAAAAAAAAAAAAAAAIQAAABgAAAAUAAAA0AIAABonAADwDwAAWSkAABAAAAAmAAAACAAAAAAAAAAAAAAA"/>
+                <pr:smNativeData xmlns:pr="smNativeData" xmlns="smNativeData" val="SMDATA_15_iunWYhMAAAAlAAAAZAAAAA0AAAAAkAAAAEgAAACQAAAASAAAAAAAAAABAAAAAAAAAAEAAABQAAAAAAAAAAAA4D8AAAAAAADgPwAAAAAAAOA/AAAAAAAA4D8AAAAAAADgPwAAAAAAAOA/AAAAAAAA4D8AAAAAAADgPwAAAAAAAOA/AAAAAAAA4D8CAAAAjAAAAAAAAAAAAAAAT4G9DP///wgAAAAAAAAAAAAAAAAAAAAAAAAAAAAAAAAAAAAAZAAAAAEAAABAAAAAAAAAAAAAAAAAAAAAAAAAAAAAAAAAAAAAAAAAAAAAAAAAAAAAAAAAAAAAAAAAAAAAAAAAAAAAAAAAAAAAAAAAAAAAAAAAAAAAAAAAAAAAAAAAAAAAFAAAADwAAAAAAAAAAAAAAAAAAAkUAAAAAQAAABQAAAAUAAAAFAAAAAEAAAAAAAAAZAAAAGQAAAAAAAAAZAAAAGQAAAAVAAAAYAAAAAAAAAAAAAAADwAAACADAAAAAAAAAAAAAAEAAACgMgAAVgcAAKr4//8BAAAAf39/AAEAAABkAAAAAAAAABQAAABAHwAAAAAAACYAAAAAAAAAwOD//wAAAAAmAAAAZAAAABYAAABMAAAAAAAAAAAAAAAEAAAAAAAAAAEAAADu7OEKAAAAACgAAAAoAAAAZAAAAGQAAAAAAAAAzMzMAAAAAABQAAAAUAAAAGQAAABkAAAAAAAAABcAAAAUAAAAAAAAAAAAAAD/fwAA/38AAAAAAAAJAAAABAAAABB7SpceAAAAaAAAAAAAAAAAAAAAAAAAAAAAAAAAAAAAECcAABAnAAAAAAAAAAAAAAAAAAAAAAAAAAAAAAAAAAAAAAAAAAAAABQAAAAAAAAAwMD/AAAAAABkAAAAMgAAAAAAAABkAAAAAAAAAH9/fwAKAAAAIgAAABgAAAAAAAAAAAAAAAAAAAAAAAAAAAAAAAAAAAAkAAAAJAAAAAAAAAAHAAAAAAAAAAAAAAAAAAAAAAAAAAAAAAAAAAAAf39/ACUAAABYAAAAAAAAAAAAAAAAAAAAAAAAAAAAAAAAAAAAAAAAAAAAAAAAAAAAAAAAAAAAAAA/AAAAAAAAAKCGAQAAAAAAAAAAAAAAAAAMAAAAAQAAAAAAAAAAAAAAAAAAAB8AAABUAAAAAAAABQAAAAEAAAAAAAAAAAAAAAAAAAAAAAAAAAAAAAAAAAAAAAAAAAAAAAJ/f38AAAAAA8zMzADAwP8Af39/AAAAAAAAAAAAAAAAAAAAAAAAAAAAIQAAABgAAAAUAAAA0AIAABonAADwDwAAWSkAABAAAAAmAAAACAAAAAAAAAAAAAAA"/>
               </a:ext>
             </a:extLst>
           </p:cNvSpPr>
@@ -859,7 +860,7 @@
             <a:pPr>
               <a:defRPr lang="fr-fr"/>
             </a:pPr>
-            <a:fld id="{7472CAF6-B899-273C-D7CA-4E698484211B}" type="datetime1">
+            <a:fld id="{2CBE6A15-5BC1-EB9C-8F06-ADC9244879F8}" type="datetime1">
               <a:t>1/04/15</a:t>
             </a:fld>
           </a:p>
@@ -872,7 +873,7 @@
             <a:spLocks noGrp="1" noChangeArrowheads="1"/>
             <a:extLst>
               <a:ext uri="smNativeData">
-                <pr:smNativeData xmlns:pr="smNativeData" xmlns="smNativeData" val="SMDATA_15_JtjWYhMAAAAlAAAAZAAAAA0AAAAAkAAAAEgAAACQAAAASAAAAAAAAAABAAAAAAAAAAEAAABQAAAAAAAAAAAA4D8AAAAAAADgPwAAAAAAAOA/AAAAAAAA4D8AAAAAAADgPwAAAAAAAOA/AAAAAAAA4D8AAAAAAADgPwAAAAAAAOA/AAAAAAAA4D8CAAAAjAAAAAAAAAAAAAAAT4G9DP///wgAAAAAAAAAAAAAAAAAAAAAAAAAAAAAAAAAAAAAZAAAAAEAAABAAAAAAAAAAAAAAAAAAAAAAAAAAAAAAAAAAAAAAAAAAAAAAAAAAAAAAAAAAAAAAAAAAAAAAAAAAAAAAAAAAAAAAAAAAAAAAAAAAAAAAAAAAAAAAAAAAAAAFAAAADwAAAAAAAAAAAAAAAAAAAkUAAAAAQAAABQAAAAUAAAAFAAAAAEAAAAAAAAAZAAAAGQAAAAAAAAAZAAAAGQAAAAVAAAAYAAAAAAAAAAAAAAADwAAACADAAAAAAAAAAAAAAEAAACgMgAAVgcAAKr4//8BAAAAf39/AAEAAABkAAAAAAAAABQAAABAHwAAAAAAACYAAAAAAAAAwOD//wAAAAAmAAAAZAAAABYAAABMAAAAAAAAAAAAAAAEAAAAAAAAAAEAAADu7OEKAAAAACgAAAAoAAAAZAAAAGQAAAAAAAAAzMzMAAAAAABQAAAAUAAAAGQAAABkAAAAAAAAABcAAAAUAAAAAAAAAAAAAAD/fwAA/38AAAAAAAAJAAAABAAAAFRhcmceAAAAaAAAAAAAAAAAAAAAAAAAAAAAAAAAAAAAECcAABAnAAAAAAAAAAAAAAAAAAAAAAAAAAAAAAAAAAAAAAAAAAAAABQAAAAAAAAAwMD/AAAAAABkAAAAMgAAAAAAAABkAAAAAAAAAH9/fwAKAAAAIgAAABgAAAAAAAAAAAAAAAAAAAAAAAAAAAAAAAAAAAAkAAAAJAAAAAAAAAAHAAAAAAAAAAAAAAAAAAAAAAAAAAAAAAAAAAAAf39/ACUAAABYAAAAAAAAAAAAAAAAAAAAAAAAAAAAAAAAAAAAAAAAAAAAAAAAAAAAAAAAAAAAAAA/AAAAAAAAAKCGAQAAAAAAAAAAAAAAAAAMAAAAAQAAAAAAAAAAAAAAAAAAAB8AAABUAAAAAAAABQAAAAEAAAAAAAAAAAAAAAAAAAAAAAAAAAAAAAAAAAAAAAAAAAAAAAJ/f38AAAAAA8zMzADAwP8Af39/AAAAAAAAAAAAAAAAAAAAAAAAAAAAIQAAABgAAAAUAAAAOBMAABonAAAIJQAAWSkAABAAAAAmAAAACAAAAAAAAAAAAAAA"/>
+                <pr:smNativeData xmlns:pr="smNativeData" xmlns="smNativeData" val="SMDATA_15_iunWYhMAAAAlAAAAZAAAAA0AAAAAkAAAAEgAAACQAAAASAAAAAAAAAABAAAAAAAAAAEAAABQAAAAAAAAAAAA4D8AAAAAAADgPwAAAAAAAOA/AAAAAAAA4D8AAAAAAADgPwAAAAAAAOA/AAAAAAAA4D8AAAAAAADgPwAAAAAAAOA/AAAAAAAA4D8CAAAAjAAAAAAAAAAAAAAAT4G9DP///wgAAAAAAAAAAAAAAAAAAAAAAAAAAAAAAAAAAAAAZAAAAAEAAABAAAAAAAAAAAAAAAAAAAAAAAAAAAAAAAAAAAAAAAAAAAAAAAAAAAAAAAAAAAAAAAAAAAAAAAAAAAAAAAAAAAAAAAAAAAAAAAAAAAAAAAAAAAAAAAAAAAAAFAAAADwAAAAAAAAAAAAAAAAAAAkUAAAAAQAAABQAAAAUAAAAFAAAAAEAAAAAAAAAZAAAAGQAAAAAAAAAZAAAAGQAAAAVAAAAYAAAAAAAAAAAAAAADwAAACADAAAAAAAAAAAAAAEAAACgMgAAVgcAAKr4//8BAAAAf39/AAEAAABkAAAAAAAAABQAAABAHwAAAAAAACYAAAAAAAAAwOD//wAAAAAmAAAAZAAAABYAAABMAAAAAAAAAAAAAAAEAAAAAAAAAAEAAADu7OEKAAAAACgAAAAoAAAAZAAAAGQAAAAAAAAAzMzMAAAAAABQAAAAUAAAAGQAAABkAAAAAAAAABcAAAAUAAAAAAAAAAAAAAD/fwAA/38AAAAAAAAJAAAABAAAAFRhcmceAAAAaAAAAAAAAAAAAAAAAAAAAAAAAAAAAAAAECcAABAnAAAAAAAAAAAAAAAAAAAAAAAAAAAAAAAAAAAAAAAAAAAAABQAAAAAAAAAwMD/AAAAAABkAAAAMgAAAAAAAABkAAAAAAAAAH9/fwAKAAAAIgAAABgAAAAAAAAAAAAAAAAAAAAAAAAAAAAAAAAAAAAkAAAAJAAAAAAAAAAHAAAAAAAAAAAAAAAAAAAAAAAAAAAAAAAAAAAAf39/ACUAAABYAAAAAAAAAAAAAAAAAAAAAAAAAAAAAAAAAAAAAAAAAAAAAAAAAAAAAAAAAAAAAAA/AAAAAAAAAKCGAQAAAAAAAAAAAAAAAAAMAAAAAQAAAAAAAAAAAAAAAAAAAB8AAABUAAAAAAAABQAAAAEAAAAAAAAAAAAAAAAAAAAAAAAAAAAAAAAAAAAAAAAAAAAAAAJ/f38AAAAAA8zMzADAwP8Af39/AAAAAAAAAAAAAAAAAAAAAAAAAAAAIQAAABgAAAAUAAAAOBMAABonAAAIJQAAWSkAABAAAAAmAAAACAAAAAAAAAAAAAAA"/>
               </a:ext>
             </a:extLst>
           </p:cNvSpPr>
@@ -898,7 +899,7 @@
             <a:spLocks noGrp="1" noChangeArrowheads="1"/>
             <a:extLst>
               <a:ext uri="smNativeData">
-                <pr:smNativeData xmlns:pr="smNativeData" xmlns="smNativeData" val="SMDATA_15_JtjWYhMAAAAlAAAAZAAAAA0AAAAAkAAAAEgAAACQAAAASAAAAAAAAAABAAAAAAAAAAEAAABQAAAAAAAAAAAA4D8AAAAAAADgPwAAAAAAAOA/AAAAAAAA4D8AAAAAAADgPwAAAAAAAOA/AAAAAAAA4D8AAAAAAADgPwAAAAAAAOA/AAAAAAAA4D8CAAAAjAAAAAAAAAAAAAAAT4G9DP///wgAAAAAAAAAAAAAAAAAAAAAAAAAAAAAAAAAAAAAZAAAAAEAAABAAAAAAAAAAAAAAAAAAAAAAAAAAAAAAAAAAAAAAAAAAAAAAAAAAAAAAAAAAAAAAAAAAAAAAAAAAAAAAAAAAAAAAAAAAAAAAAAAAAAAAAAAAAAAAAAAAAAAFAAAADwAAAAAAAAAAAAAAAAAAAkUAAAAAQAAABQAAAAUAAAAFAAAAAEAAAAAAAAAZAAAAGQAAAAAAAAAZAAAAGQAAAAVAAAAYAAAAAAAAAAAAAAADwAAACADAAAAAAAAAAAAAAEAAACgMgAAVgcAAKr4//8BAAAAf39/AAEAAABkAAAAAAAAABQAAABAHwAAAAAAACYAAAAAAAAAwOD//wAAAAAmAAAAZAAAABYAAABMAAAAAAAAAAAAAAAEAAAAAAAAAAEAAADu7OEKAAAAACgAAAAoAAAAZAAAAGQAAAAAAAAAzMzMAAAAAABQAAAAUAAAAGQAAABkAAAAAAAAABcAAAAUAAAAAAAAAAAAAAD/fwAA/38AAAAAAAAJAAAABAAAABB7SpceAAAAaAAAAAAAAAAAAAAAAAAAAAAAAAAAAAAAECcAABAnAAAAAAAAAAAAAAAAAAAAAAAAAAAAAAAAAAAAAAAAAAAAABQAAAAAAAAAwMD/AAAAAABkAAAAMgAAAAAAAABkAAAAAAAAAH9/fwAKAAAAIgAAABgAAAAAAAAAAAAAAAAAAAAAAAAAAAAAAAAAAAAkAAAAJAAAAAAAAAAHAAAAAAAAAAAAAAAAAAAAAAAAAAAAAAAAAAAAf39/ACUAAABYAAAAAAAAAAAAAAAAAAAAAAAAAAAAAAAAAAAAAAAAAAAAAAAAAAAAAAAAAAAAAAA/AAAAAAAAAKCGAQAAAAAAAAAAAAAAAAAMAAAAAQAAAAAAAAAAAAAAAAAAAB8AAABUAAAAAAAABQAAAAEAAAAAAAAAAAAAAAAAAAAAAAAAAAAAAAAAAAAAAAAAAAAAAAJ/f38AAAAAA8zMzADAwP8Af39/AAAAAAAAAAAAAAAAAAAAAAAAAAAAIQAAABgAAAAUAAAAUCgAABonAABwNQAAWSkAABAAAAAmAAAACAAAAAAAAAAAAAAA"/>
+                <pr:smNativeData xmlns:pr="smNativeData" xmlns="smNativeData" val="SMDATA_15_iunWYhMAAAAlAAAAZAAAAA0AAAAAkAAAAEgAAACQAAAASAAAAAAAAAABAAAAAAAAAAEAAABQAAAAAAAAAAAA4D8AAAAAAADgPwAAAAAAAOA/AAAAAAAA4D8AAAAAAADgPwAAAAAAAOA/AAAAAAAA4D8AAAAAAADgPwAAAAAAAOA/AAAAAAAA4D8CAAAAjAAAAAAAAAAAAAAAT4G9DP///wgAAAAAAAAAAAAAAAAAAAAAAAAAAAAAAAAAAAAAZAAAAAEAAABAAAAAAAAAAAAAAAAAAAAAAAAAAAAAAAAAAAAAAAAAAAAAAAAAAAAAAAAAAAAAAAAAAAAAAAAAAAAAAAAAAAAAAAAAAAAAAAAAAAAAAAAAAAAAAAAAAAAAFAAAADwAAAAAAAAAAAAAAAAAAAkUAAAAAQAAABQAAAAUAAAAFAAAAAEAAAAAAAAAZAAAAGQAAAAAAAAAZAAAAGQAAAAVAAAAYAAAAAAAAAAAAAAADwAAACADAAAAAAAAAAAAAAEAAACgMgAAVgcAAKr4//8BAAAAf39/AAEAAABkAAAAAAAAABQAAABAHwAAAAAAACYAAAAAAAAAwOD//wAAAAAmAAAAZAAAABYAAABMAAAAAAAAAAAAAAAEAAAAAAAAAAEAAADu7OEKAAAAACgAAAAoAAAAZAAAAGQAAAAAAAAAzMzMAAAAAABQAAAAUAAAAGQAAABkAAAAAAAAABcAAAAUAAAAAAAAAAAAAAD/fwAA/38AAAAAAAAJAAAABAAAABB7SpceAAAAaAAAAAAAAAAAAAAAAAAAAAAAAAAAAAAAECcAABAnAAAAAAAAAAAAAAAAAAAAAAAAAAAAAAAAAAAAAAAAAAAAABQAAAAAAAAAwMD/AAAAAABkAAAAMgAAAAAAAABkAAAAAAAAAH9/fwAKAAAAIgAAABgAAAAAAAAAAAAAAAAAAAAAAAAAAAAAAAAAAAAkAAAAJAAAAAAAAAAHAAAAAAAAAAAAAAAAAAAAAAAAAAAAAAAAAAAAf39/ACUAAABYAAAAAAAAAAAAAAAAAAAAAAAAAAAAAAAAAAAAAAAAAAAAAAAAAAAAAAAAAAAAAAA/AAAAAAAAAKCGAQAAAAAAAAAAAAAAAAAMAAAAAQAAAAAAAAAAAAAAAAAAAB8AAABUAAAAAAAABQAAAAEAAAAAAAAAAAAAAAAAAAAAAAAAAAAAAAAAAAAAAAAAAAAAAAJ/f38AAAAAA8zMzADAwP8Af39/AAAAAAAAAAAAAAAAAAAAAAAAAAAAIQAAABgAAAAUAAAAUCgAABonAABwNQAAWSkAABAAAAAmAAAACAAAAAAAAAAAAAAA"/>
               </a:ext>
             </a:extLst>
           </p:cNvSpPr>
@@ -914,7 +915,7 @@
             <a:pPr>
               <a:defRPr lang="fr-fr"/>
             </a:pPr>
-            <a:fld id="{74293FAE-E099-7CC9-D791-169C71DF2143}" type="slidenum">
+            <a:fld id="{0016740C-42ED-4382-A3AE-B4D73AE055E1}" type="slidenum">
               <a:t>‹#›</a:t>
             </a:fld>
           </a:p>
@@ -953,7 +954,7 @@
             <a:spLocks noGrp="1" noChangeArrowheads="1"/>
             <a:extLst>
               <a:ext uri="smNativeData">
-                <pr:smNativeData xmlns:pr="smNativeData" xmlns="smNativeData" val="SMDATA_15_JtjWYhMAAAAlAAAAZAAAAA0AAAAAkAAAAEgAAACQAAAASAAAAAAAAAABAAAAAAAAAAEAAABQAAAAAAAAAAAA4D8AAAAAAADgPwAAAAAAAOA/AAAAAAAA4D8AAAAAAADgPwAAAAAAAOA/AAAAAAAA4D8AAAAAAADgPwAAAAAAAOA/AAAAAAAA4D8CAAAAjAAAAAAAAAAAAAAAT4G9DP///wgAAAAAAAAAAAAAAAAAAAAAAAAAAAAAAAAAAAAAZAAAAAEAAABAAAAAAAAAAAAAAAAAAAAAAAAAAAAAAAAAAAAAAAAAAAAAAAAAAAAAAAAAAAAAAAAAAAAAAAAAAAAAAAAAAAAAAAAAAAAAAAAAAAAAAAAAAAAAAAAAAAAAFAAAADwAAAAAAAAAAAAAAAAAAAkUAAAAAQAAABQAAAAUAAAAFAAAAAEAAAAAAAAAZAAAAGQAAAAAAAAAZAAAAGQAAAAVAAAAYAAAAAAAAAAAAAAADwAAACADAAAAAAAAAAAAAAEAAACgMgAAVgcAAKr4//8BAAAAf39/AAEAAABkAAAAAAAAABQAAABAHwAAAAAAACYAAAAAAAAAwOD//wAAAAAmAAAAZAAAABYAAABMAAAAAAAAAAAAAAAEAAAAAAAAAAEAAADu7OEKAAAAACgAAAAoAAAAZAAAAGQAAAAAAAAAzMzMAAAAAABQAAAAUAAAAGQAAABkAAAAAAAAABcAAAAUAAAAAAAAAAAAAAD/fwAA/38AAAAAAAAJAAAABAAAAGZ3QUEeAAAAaAAAAAAAAAAAAAAAAAAAAAAAAAAAAAAAECcAABAnAAAAAAAAAAAAAAAAAAAAAAAAAAAAAAAAAAAAAAAAAAAAABQAAAAAAAAAwMD/AAAAAABkAAAAMgAAAAAAAABkAAAAAAAAAH9/fwAKAAAAIgAAABgAAAAAAAAAAAAAAAAAAAAAAAAAAAAAAAAAAAAkAAAAJAAAAAAAAAAHAAAAAAAAAAAAAAAAAAAAAAAAAAAAAAAAAAAAf39/ACUAAABYAAAAAAAAAAAAAAAAAAAAAAAAAAAAAAAAAAAAAAAAAAAAAAAAAAAAAAAAAAAAAAA/AAAAAAAAAKCGAQAAAAAAAAAAAAAAAAAMAAAAAQAAAAAAAAAAAAAAAAAAAB8AAABUAAAAAAAABQAAAAEAAAAAAAAAAAAAAAAAAAAAAAAAAAAAAAAAAAAAAAAAAAAAAAJ/f38AAAAAA8zMzADAwP8Af39/AAAAAAAAAAAAAAAAAAAAAAAAAAAAIQAAABgAAAAUAAAA0AIAALEBAABwNQAAuQgAABAAAAAmAAAACAAAAAAAAAAAAAAA"/>
+                <pr:smNativeData xmlns:pr="smNativeData" xmlns="smNativeData" val="SMDATA_15_iunWYhMAAAAlAAAAZAAAAA0AAAAAkAAAAEgAAACQAAAASAAAAAAAAAABAAAAAAAAAAEAAABQAAAAAAAAAAAA4D8AAAAAAADgPwAAAAAAAOA/AAAAAAAA4D8AAAAAAADgPwAAAAAAAOA/AAAAAAAA4D8AAAAAAADgPwAAAAAAAOA/AAAAAAAA4D8CAAAAjAAAAAAAAAAAAAAAT4G9DP///wgAAAAAAAAAAAAAAAAAAAAAAAAAAAAAAAAAAAAAZAAAAAEAAABAAAAAAAAAAAAAAAAAAAAAAAAAAAAAAAAAAAAAAAAAAAAAAAAAAAAAAAAAAAAAAAAAAAAAAAAAAAAAAAAAAAAAAAAAAAAAAAAAAAAAAAAAAAAAAAAAAAAAFAAAADwAAAAAAAAAAAAAAAAAAAkUAAAAAQAAABQAAAAUAAAAFAAAAAEAAAAAAAAAZAAAAGQAAAAAAAAAZAAAAGQAAAAVAAAAYAAAAAAAAAAAAAAADwAAACADAAAAAAAAAAAAAAEAAACgMgAAVgcAAKr4//8BAAAAf39/AAEAAABkAAAAAAAAABQAAABAHwAAAAAAACYAAAAAAAAAwOD//wAAAAAmAAAAZAAAABYAAABMAAAAAAAAAAAAAAAEAAAAAAAAAAEAAADu7OEKAAAAACgAAAAoAAAAZAAAAGQAAAAAAAAAzMzMAAAAAABQAAAAUAAAAGQAAABkAAAAAAAAABcAAAAUAAAAAAAAAAAAAAD/fwAA/38AAAAAAAAJAAAABAAAAGZ3QUEeAAAAaAAAAAAAAAAAAAAAAAAAAAAAAAAAAAAAECcAABAnAAAAAAAAAAAAAAAAAAAAAAAAAAAAAAAAAAAAAAAAAAAAABQAAAAAAAAAwMD/AAAAAABkAAAAMgAAAAAAAABkAAAAAAAAAH9/fwAKAAAAIgAAABgAAAAAAAAAAAAAAAAAAAAAAAAAAAAAAAAAAAAkAAAAJAAAAAAAAAAHAAAAAAAAAAAAAAAAAAAAAAAAAAAAAAAAAAAAf39/ACUAAABYAAAAAAAAAAAAAAAAAAAAAAAAAAAAAAAAAAAAAAAAAAAAAAAAAAAAAAAAAAAAAAA/AAAAAAAAAKCGAQAAAAAAAAAAAAAAAAAMAAAAAQAAAAAAAAAAAAAAAAAAAB8AAABUAAAAAAAABQAAAAEAAAAAAAAAAAAAAAAAAAAAAAAAAAAAAAAAAAAAAAAAAAAAAAJ/f38AAAAAA8zMzADAwP8Af39/AAAAAAAAAAAAAAAAAAAAAAAAAAAAIQAAABgAAAAUAAAA0AIAALEBAABwNQAAuQgAABAAAAAmAAAACAAAAAAAAAAAAAAA"/>
               </a:ext>
             </a:extLst>
           </p:cNvSpPr>
@@ -982,7 +983,7 @@
             <a:spLocks noGrp="1" noChangeArrowheads="1"/>
             <a:extLst>
               <a:ext uri="smNativeData">
-                <pr:smNativeData xmlns:pr="smNativeData" xmlns="smNativeData" val="SMDATA_15_JtjWYhMAAAAlAAAAZAAAAA0AAAAAkAAAAEgAAACQAAAASAAAAAAAAAAAAAAAAAAAAAEAAABQAAAAAAAAAAAA4D8AAAAAAADgPwAAAAAAAOA/AAAAAAAA4D8AAAAAAADgPwAAAAAAAOA/AAAAAAAA4D8AAAAAAADgPwAAAAAAAOA/AAAAAAAA4D8CAAAAjAAAAAAAAAAAAAAAT4G9DP///wgAAAAAAAAAAAAAAAAAAAAAAAAAAAAAAAAAAAAAZAAAAAEAAABAAAAAAAAAAAAAAAAAAAAAAAAAAAAAAAAAAAAAAAAAAAAAAAAAAAAAAAAAAAAAAAAAAAAAAAAAAAAAAAAAAAAAAAAAAAAAAAAAAAAAAAAAAAAAAAAAAAAAFAAAADwAAAAAAAAAAAAAAAAAAAkUAAAAAQAAABQAAAAUAAAAFAAAAAEAAAAAAAAAZAAAAGQAAAAAAAAAZAAAAGQAAAAVAAAAYAAAAAAAAAAAAAAADwAAACADAAAAAAAAAAAAAAEAAACgMgAAVgcAAKr4//8BAAAAf39/AAEAAABkAAAAAAAAABQAAABAHwAAAAAAACYAAAAAAAAAwOD//wAAAAAmAAAAZAAAABYAAABMAAAAAAAAAAAAAAAEAAAAAAAAAAEAAADu7OEKAAAAACgAAAAoAAAAZAAAAGQAAAAAAAAAzMzMAAAAAABQAAAAUAAAAGQAAABkAAAAAAAAABcAAAAUAAAAAAAAAAAAAAD/fwAA/38AAAAAAAAJAAAABAAAAEEAQQAeAAAAaAAAAAAAAAAAAAAAAAAAAAAAAAAAAAAAECcAABAnAAAAAAAAAAAAAAAAAAAAAAAAAAAAAAAAAAAAAAAAAAAAABQAAAAAAAAAwMD/AAAAAABkAAAAMgAAAAAAAABkAAAAAAAAAH9/fwAKAAAAIgAAABgAAAAAAAAAAAAAAAAAAAAAAAAAAAAAAAAAAAAkAAAAJAAAAAAAAAAHAAAAAAAAAAAAAAAAAAAAAAAAAAAAAAAAAAAAf39/ACUAAABYAAAAAAAAAAAAAAAAAAAAAAAAAAAAAAAAAAAAAAAAAAAAAAAAAAAAAAAAAAAAAAA/AAAAAAAAAKCGAQAAAAAAAAAAAAAAAAAMAAAAAQAAAAAAAAAAAAAAAAAAAB8AAABUAAAAAAAABQAAAAEAAAAAAAAAAAAAAAAAAAAAAAAAAAAAAAAAAAAAAAAAAAAAAAJ/f38AAAAAA8zMzADAwP8Af39/AAAAAAAAAAAAAAAAAAAAAAAAAAAAIQAAABgAAAAUAAAA0AIAANgJAABwNQAAsCUAABAAAAAmAAAACAAAAAAAAAAAAAAA"/>
+                <pr:smNativeData xmlns:pr="smNativeData" xmlns="smNativeData" val="SMDATA_15_iunWYhMAAAAlAAAAZAAAAA0AAAAAkAAAAEgAAACQAAAASAAAAAAAAAAAAAAAAAAAAAEAAABQAAAAAAAAAAAA4D8AAAAAAADgPwAAAAAAAOA/AAAAAAAA4D8AAAAAAADgPwAAAAAAAOA/AAAAAAAA4D8AAAAAAADgPwAAAAAAAOA/AAAAAAAA4D8CAAAAjAAAAAAAAAAAAAAAT4G9DP///wgAAAAAAAAAAAAAAAAAAAAAAAAAAAAAAAAAAAAAZAAAAAEAAABAAAAAAAAAAAAAAAAAAAAAAAAAAAAAAAAAAAAAAAAAAAAAAAAAAAAAAAAAAAAAAAAAAAAAAAAAAAAAAAAAAAAAAAAAAAAAAAAAAAAAAAAAAAAAAAAAAAAAFAAAADwAAAAAAAAAAAAAAAAAAAkUAAAAAQAAABQAAAAUAAAAFAAAAAEAAAAAAAAAZAAAAGQAAAAAAAAAZAAAAGQAAAAVAAAAYAAAAAAAAAAAAAAADwAAACADAAAAAAAAAAAAAAEAAACgMgAAVgcAAKr4//8BAAAAf39/AAEAAABkAAAAAAAAABQAAABAHwAAAAAAACYAAAAAAAAAwOD//wAAAAAmAAAAZAAAABYAAABMAAAAAAAAAAAAAAAEAAAAAAAAAAEAAADu7OEKAAAAACgAAAAoAAAAZAAAAGQAAAAAAAAAzMzMAAAAAABQAAAAUAAAAGQAAABkAAAAAAAAABcAAAAUAAAAAAAAAAAAAAD/fwAA/38AAAAAAAAJAAAABAAAAEEAQQAeAAAAaAAAAAAAAAAAAAAAAAAAAAAAAAAAAAAAECcAABAnAAAAAAAAAAAAAAAAAAAAAAAAAAAAAAAAAAAAAAAAAAAAABQAAAAAAAAAwMD/AAAAAABkAAAAMgAAAAAAAABkAAAAAAAAAH9/fwAKAAAAIgAAABgAAAAAAAAAAAAAAAAAAAAAAAAAAAAAAAAAAAAkAAAAJAAAAAAAAAAHAAAAAAAAAAAAAAAAAAAAAAAAAAAAAAAAAAAAf39/ACUAAABYAAAAAAAAAAAAAAAAAAAAAAAAAAAAAAAAAAAAAAAAAAAAAAAAAAAAAAAAAAAAAAA/AAAAAAAAAKCGAQAAAAAAAAAAAAAAAAAMAAAAAQAAAAAAAAAAAAAAAAAAAB8AAABUAAAAAAAABQAAAAEAAAAAAAAAAAAAAAAAAAAAAAAAAAAAAAAAAAAAAAAAAAAAAAJ/f38AAAAAA8zMzADAwP8Af39/AAAAAAAAAAAAAAAAAAAAAAAAAAAAIQAAABgAAAAUAAAA0AIAANgJAABwNQAAsCUAABAAAAAmAAAACAAAAAAAAAAAAAAA"/>
               </a:ext>
             </a:extLst>
           </p:cNvSpPr>
@@ -1043,7 +1044,7 @@
             <a:spLocks noGrp="1" noChangeArrowheads="1"/>
             <a:extLst>
               <a:ext uri="smNativeData">
-                <pr:smNativeData xmlns:pr="smNativeData" xmlns="smNativeData" val="SMDATA_15_JtjWYhMAAAAlAAAAZAAAAA0AAAAAkAAAAEgAAACQAAAASAAAAAAAAAABAAAAAAAAAAEAAABQAAAAAAAAAAAA4D8AAAAAAADgPwAAAAAAAOA/AAAAAAAA4D8AAAAAAADgPwAAAAAAAOA/AAAAAAAA4D8AAAAAAADgPwAAAAAAAOA/AAAAAAAA4D8CAAAAjAAAAAAAAAAAAAAAT4G9DP///wgAAAAAAAAAAAAAAAAAAAAAAAAAAAAAAAAAAAAAZAAAAAEAAABAAAAAAAAAAAAAAAAAAAAAAAAAAAAAAAAAAAAAAAAAAAAAAAAAAAAAAAAAAAAAAAAAAAAAAAAAAAAAAAAAAAAAAAAAAAAAAAAAAAAAAAAAAAAAAAAAAAAAFAAAADwAAAAAAAAAAAAAAAAAAAkUAAAAAQAAABQAAAAUAAAAFAAAAAEAAAAAAAAAZAAAAGQAAAAAAAAAZAAAAGQAAAAVAAAAYAAAAAAAAAAAAAAADwAAACADAAAAAAAAAAAAAAEAAACgMgAAVgcAAKr4//8BAAAAf39/AAEAAABkAAAAAAAAABQAAABAHwAAAAAAACYAAAAAAAAAwOD//wAAAAAmAAAAZAAAABYAAABMAAAAAAAAAAAAAAAEAAAAAAAAAAEAAADu7OEKAAAAACgAAAAoAAAAZAAAAGQAAAAAAAAAzMzMAAAAAABQAAAAUAAAAGQAAABkAAAAAAAAABcAAAAUAAAAAAAAAAAAAAD/fwAA/38AAAAAAAAJAAAABAAAAAAAAAAeAAAAaAAAAAAAAAAAAAAAAAAAAAAAAAAAAAAAECcAABAnAAAAAAAAAAAAAAAAAAAAAAAAAAAAAAAAAAAAAAAAAAAAABQAAAAAAAAAwMD/AAAAAABkAAAAMgAAAAAAAABkAAAAAAAAAH9/fwAKAAAAIgAAABgAAAAAAAAAAAAAAAAAAAAAAAAAAAAAAAAAAAAkAAAAJAAAAAAAAAAHAAAAAAAAAAAAAAAAAAAAAAAAAAAAAAAAAAAAf39/ACUAAABYAAAAAAAAAAAAAAAAAAAAAAAAAAAAAAAAAAAAAAAAAAAAAAAAAAAAAAAAAAAAAAA/AAAAAAAAAKCGAQAAAAAAAAAAAAAAAAAMAAAAAQAAAAAAAAAAAAAAAAAAAB8AAABUAAAAAAAABQAAAAEAAAAAAAAAAAAAAAAAAAAAAAAAAAAAAAAAAAAAAAAAAAAAAAJ/f38AAAAAA8zMzADAwP8Af39/AAAAAAAAAAAAAAAAAAAAAAAAAAAAIQAAABgAAAAUAAAA0AIAABonAADwDwAAWSkAABAAAAAmAAAACAAAAAAAAAAAAAAA"/>
+                <pr:smNativeData xmlns:pr="smNativeData" xmlns="smNativeData" val="SMDATA_15_iunWYhMAAAAlAAAAZAAAAA0AAAAAkAAAAEgAAACQAAAASAAAAAAAAAABAAAAAAAAAAEAAABQAAAAAAAAAAAA4D8AAAAAAADgPwAAAAAAAOA/AAAAAAAA4D8AAAAAAADgPwAAAAAAAOA/AAAAAAAA4D8AAAAAAADgPwAAAAAAAOA/AAAAAAAA4D8CAAAAjAAAAAAAAAAAAAAAT4G9DP///wgAAAAAAAAAAAAAAAAAAAAAAAAAAAAAAAAAAAAAZAAAAAEAAABAAAAAAAAAAAAAAAAAAAAAAAAAAAAAAAAAAAAAAAAAAAAAAAAAAAAAAAAAAAAAAAAAAAAAAAAAAAAAAAAAAAAAAAAAAAAAAAAAAAAAAAAAAAAAAAAAAAAAFAAAADwAAAAAAAAAAAAAAAAAAAkUAAAAAQAAABQAAAAUAAAAFAAAAAEAAAAAAAAAZAAAAGQAAAAAAAAAZAAAAGQAAAAVAAAAYAAAAAAAAAAAAAAADwAAACADAAAAAAAAAAAAAAEAAACgMgAAVgcAAKr4//8BAAAAf39/AAEAAABkAAAAAAAAABQAAABAHwAAAAAAACYAAAAAAAAAwOD//wAAAAAmAAAAZAAAABYAAABMAAAAAAAAAAAAAAAEAAAAAAAAAAEAAADu7OEKAAAAACgAAAAoAAAAZAAAAGQAAAAAAAAAzMzMAAAAAABQAAAAUAAAAGQAAABkAAAAAAAAABcAAAAUAAAAAAAAAAAAAAD/fwAA/38AAAAAAAAJAAAABAAAAAAAAAAeAAAAaAAAAAAAAAAAAAAAAAAAAAAAAAAAAAAAECcAABAnAAAAAAAAAAAAAAAAAAAAAAAAAAAAAAAAAAAAAAAAAAAAABQAAAAAAAAAwMD/AAAAAABkAAAAMgAAAAAAAABkAAAAAAAAAH9/fwAKAAAAIgAAABgAAAAAAAAAAAAAAAAAAAAAAAAAAAAAAAAAAAAkAAAAJAAAAAAAAAAHAAAAAAAAAAAAAAAAAAAAAAAAAAAAAAAAAAAAf39/ACUAAABYAAAAAAAAAAAAAAAAAAAAAAAAAAAAAAAAAAAAAAAAAAAAAAAAAAAAAAAAAAAAAAA/AAAAAAAAAKCGAQAAAAAAAAAAAAAAAAAMAAAAAQAAAAAAAAAAAAAAAAAAAB8AAABUAAAAAAAABQAAAAEAAAAAAAAAAAAAAAAAAAAAAAAAAAAAAAAAAAAAAAAAAAAAAAJ/f38AAAAAA8zMzADAwP8Af39/AAAAAAAAAAAAAAAAAAAAAAAAAAAAIQAAABgAAAAUAAAA0AIAABonAADwDwAAWSkAABAAAAAmAAAACAAAAAAAAAAAAAAA"/>
               </a:ext>
             </a:extLst>
           </p:cNvSpPr>
@@ -1059,7 +1060,7 @@
             <a:pPr>
               <a:defRPr lang="fr-fr"/>
             </a:pPr>
-            <a:fld id="{0002D551-1FED-5723-A3BA-E9769BF455BC}" type="datetime1">
+            <a:fld id="{690A0869-2784-5FFE-CAB2-D1AB46FC3C84}" type="datetime1">
               <a:t/>
             </a:fld>
           </a:p>
@@ -1072,7 +1073,7 @@
             <a:spLocks noGrp="1" noChangeArrowheads="1"/>
             <a:extLst>
               <a:ext uri="smNativeData">
-                <pr:smNativeData xmlns:pr="smNativeData" xmlns="smNativeData" val="SMDATA_15_JtjWYhMAAAAlAAAAZAAAAA0AAAAAkAAAAEgAAACQAAAASAAAAAAAAAABAAAAAAAAAAEAAABQAAAAAAAAAAAA4D8AAAAAAADgPwAAAAAAAOA/AAAAAAAA4D8AAAAAAADgPwAAAAAAAOA/AAAAAAAA4D8AAAAAAADgPwAAAAAAAOA/AAAAAAAA4D8CAAAAjAAAAAAAAAAAAAAAT4G9DP///wgAAAAAAAAAAAAAAAAAAAAAAAAAAAAAAAAAAAAAZAAAAAEAAABAAAAAAAAAAAAAAAAAAAAAAAAAAAAAAAAAAAAAAAAAAAAAAAAAAAAAAAAAAAAAAAAAAAAAAAAAAAAAAAAAAAAAAAAAAAAAAAAAAAAAAAAAAAAAAAAAAAAAFAAAADwAAAAAAAAAAAAAAAAAAAkUAAAAAQAAABQAAAAUAAAAFAAAAAEAAAAAAAAAZAAAAGQAAAAAAAAAZAAAAGQAAAAVAAAAYAAAAAAAAAAAAAAADwAAACADAAAAAAAAAAAAAAEAAACgMgAAVgcAAKr4//8BAAAAf39/AAEAAABkAAAAAAAAABQAAABAHwAAAAAAACYAAAAAAAAAwOD//wAAAAAmAAAAZAAAABYAAABMAAAAAAAAAAAAAAAEAAAAAAAAAAEAAADu7OEKAAAAACgAAAAoAAAAZAAAAGQAAAAAAAAAzMzMAAAAAABQAAAAUAAAAGQAAABkAAAAAAAAABcAAAAUAAAAAAAAAAAAAAD/fwAA/38AAAAAAAAJAAAABAAAAAAAAAAeAAAAaAAAAAAAAAAAAAAAAAAAAAAAAAAAAAAAECcAABAnAAAAAAAAAAAAAAAAAAAAAAAAAAAAAAAAAAAAAAAAAAAAABQAAAAAAAAAwMD/AAAAAABkAAAAMgAAAAAAAABkAAAAAAAAAH9/fwAKAAAAIgAAABgAAAAAAAAAAAAAAAAAAAAAAAAAAAAAAAAAAAAkAAAAJAAAAAAAAAAHAAAAAAAAAAAAAAAAAAAAAAAAAAAAAAAAAAAAf39/ACUAAABYAAAAAAAAAAAAAAAAAAAAAAAAAAAAAAAAAAAAAAAAAAAAAAAAAAAAAAAAAAAAAAA/AAAAAAAAAKCGAQAAAAAAAAAAAAAAAAAMAAAAAQAAAAAAAAAAAAAAAAAAAB8AAABUAAAAAAAABQAAAAEAAAAAAAAAAAAAAAAAAAAAAAAAAAAAAAAAAAAAAAAAAAAAAAJ/f38AAAAAA8zMzADAwP8Af39/AAAAAAAAAAAAAAAAAAAAAAAAAAAAIQAAABgAAAAUAAAAOBMAABonAAAIJQAAWSkAABAAAAAmAAAACAAAAAAAAAAAAAAA"/>
+                <pr:smNativeData xmlns:pr="smNativeData" xmlns="smNativeData" val="SMDATA_15_iunWYhMAAAAlAAAAZAAAAA0AAAAAkAAAAEgAAACQAAAASAAAAAAAAAABAAAAAAAAAAEAAABQAAAAAAAAAAAA4D8AAAAAAADgPwAAAAAAAOA/AAAAAAAA4D8AAAAAAADgPwAAAAAAAOA/AAAAAAAA4D8AAAAAAADgPwAAAAAAAOA/AAAAAAAA4D8CAAAAjAAAAAAAAAAAAAAAT4G9DP///wgAAAAAAAAAAAAAAAAAAAAAAAAAAAAAAAAAAAAAZAAAAAEAAABAAAAAAAAAAAAAAAAAAAAAAAAAAAAAAAAAAAAAAAAAAAAAAAAAAAAAAAAAAAAAAAAAAAAAAAAAAAAAAAAAAAAAAAAAAAAAAAAAAAAAAAAAAAAAAAAAAAAAFAAAADwAAAAAAAAAAAAAAAAAAAkUAAAAAQAAABQAAAAUAAAAFAAAAAEAAAAAAAAAZAAAAGQAAAAAAAAAZAAAAGQAAAAVAAAAYAAAAAAAAAAAAAAADwAAACADAAAAAAAAAAAAAAEAAACgMgAAVgcAAKr4//8BAAAAf39/AAEAAABkAAAAAAAAABQAAABAHwAAAAAAACYAAAAAAAAAwOD//wAAAAAmAAAAZAAAABYAAABMAAAAAAAAAAAAAAAEAAAAAAAAAAEAAADu7OEKAAAAACgAAAAoAAAAZAAAAGQAAAAAAAAAzMzMAAAAAABQAAAAUAAAAGQAAABkAAAAAAAAABcAAAAUAAAAAAAAAAAAAAD/fwAA/38AAAAAAAAJAAAABAAAAAAAAAAeAAAAaAAAAAAAAAAAAAAAAAAAAAAAAAAAAAAAECcAABAnAAAAAAAAAAAAAAAAAAAAAAAAAAAAAAAAAAAAAAAAAAAAABQAAAAAAAAAwMD/AAAAAABkAAAAMgAAAAAAAABkAAAAAAAAAH9/fwAKAAAAIgAAABgAAAAAAAAAAAAAAAAAAAAAAAAAAAAAAAAAAAAkAAAAJAAAAAAAAAAHAAAAAAAAAAAAAAAAAAAAAAAAAAAAAAAAAAAAf39/ACUAAABYAAAAAAAAAAAAAAAAAAAAAAAAAAAAAAAAAAAAAAAAAAAAAAAAAAAAAAAAAAAAAAA/AAAAAAAAAKCGAQAAAAAAAAAAAAAAAAAMAAAAAQAAAAAAAAAAAAAAAAAAAB8AAABUAAAAAAAABQAAAAEAAAAAAAAAAAAAAAAAAAAAAAAAAAAAAAAAAAAAAAAAAAAAAAJ/f38AAAAAA8zMzADAwP8Af39/AAAAAAAAAAAAAAAAAAAAAAAAAAAAIQAAABgAAAAUAAAAOBMAABonAAAIJQAAWSkAABAAAAAmAAAACAAAAAAAAAAAAAAA"/>
               </a:ext>
             </a:extLst>
           </p:cNvSpPr>
@@ -1098,7 +1099,7 @@
             <a:spLocks noGrp="1" noChangeArrowheads="1"/>
             <a:extLst>
               <a:ext uri="smNativeData">
-                <pr:smNativeData xmlns:pr="smNativeData" xmlns="smNativeData" val="SMDATA_15_JtjWYhMAAAAlAAAAZAAAAA0AAAAAkAAAAEgAAACQAAAASAAAAAAAAAABAAAAAAAAAAEAAABQAAAAAAAAAAAA4D8AAAAAAADgPwAAAAAAAOA/AAAAAAAA4D8AAAAAAADgPwAAAAAAAOA/AAAAAAAA4D8AAAAAAADgPwAAAAAAAOA/AAAAAAAA4D8CAAAAjAAAAAAAAAAAAAAAT4G9DP///wgAAAAAAAAAAAAAAAAAAAAAAAAAAAAAAAAAAAAAZAAAAAEAAABAAAAAAAAAAAAAAAAAAAAAAAAAAAAAAAAAAAAAAAAAAAAAAAAAAAAAAAAAAAAAAAAAAAAAAAAAAAAAAAAAAAAAAAAAAAAAAAAAAAAAAAAAAAAAAAAAAAAAFAAAADwAAAAAAAAAAAAAAAAAAAkUAAAAAQAAABQAAAAUAAAAFAAAAAEAAAAAAAAAZAAAAGQAAAAAAAAAZAAAAGQAAAAVAAAAYAAAAAAAAAAAAAAADwAAACADAAAAAAAAAAAAAAEAAACgMgAAVgcAAKr4//8BAAAAf39/AAEAAABkAAAAAAAAABQAAABAHwAAAAAAACYAAAAAAAAAwOD//wAAAAAmAAAAZAAAABYAAABMAAAAAAAAAAAAAAAEAAAAAAAAAAEAAADu7OEKAAAAACgAAAAoAAAAZAAAAGQAAAAAAAAAzMzMAAAAAABQAAAAUAAAAGQAAABkAAAAAAAAABcAAAAUAAAAAAAAAAAAAAD/fwAA/38AAAAAAAAJAAAABAAAAHDiWBoeAAAAaAAAAAAAAAAAAAAAAAAAAAAAAAAAAAAAECcAABAnAAAAAAAAAAAAAAAAAAAAAAAAAAAAAAAAAAAAAAAAAAAAABQAAAAAAAAAwMD/AAAAAABkAAAAMgAAAAAAAABkAAAAAAAAAH9/fwAKAAAAIgAAABgAAAAAAAAAAAAAAAAAAAAAAAAAAAAAAAAAAAAkAAAAJAAAAAAAAAAHAAAAAAAAAAAAAAAAAAAAAAAAAAAAAAAAAAAAf39/ACUAAABYAAAAAAAAAAAAAAAAAAAAAAAAAAAAAAAAAAAAAAAAAAAAAAAAAAAAAAAAAAAAAAA/AAAAAAAAAKCGAQAAAAAAAAAAAAAAAAAMAAAAAQAAAAAAAAAAAAAAAAAAAB8AAABUAAAAAAAABQAAAAEAAAAAAAAAAAAAAAAAAAAAAAAAAAAAAAAAAAAAAAAAAAAAAAJ/f38AAAAAA8zMzADAwP8Af39/AAAAAAAAAAAAAAAAAAAAAAAAAAAAIQAAABgAAAAUAAAAUCgAABonAABwNQAAWSkAABAAAAAmAAAACAAAAAAAAAAAAAAA"/>
+                <pr:smNativeData xmlns:pr="smNativeData" xmlns="smNativeData" val="SMDATA_15_iunWYhMAAAAlAAAAZAAAAA0AAAAAkAAAAEgAAACQAAAASAAAAAAAAAABAAAAAAAAAAEAAABQAAAAAAAAAAAA4D8AAAAAAADgPwAAAAAAAOA/AAAAAAAA4D8AAAAAAADgPwAAAAAAAOA/AAAAAAAA4D8AAAAAAADgPwAAAAAAAOA/AAAAAAAA4D8CAAAAjAAAAAAAAAAAAAAAT4G9DP///wgAAAAAAAAAAAAAAAAAAAAAAAAAAAAAAAAAAAAAZAAAAAEAAABAAAAAAAAAAAAAAAAAAAAAAAAAAAAAAAAAAAAAAAAAAAAAAAAAAAAAAAAAAAAAAAAAAAAAAAAAAAAAAAAAAAAAAAAAAAAAAAAAAAAAAAAAAAAAAAAAAAAAFAAAADwAAAAAAAAAAAAAAAAAAAkUAAAAAQAAABQAAAAUAAAAFAAAAAEAAAAAAAAAZAAAAGQAAAAAAAAAZAAAAGQAAAAVAAAAYAAAAAAAAAAAAAAADwAAACADAAAAAAAAAAAAAAEAAACgMgAAVgcAAKr4//8BAAAAf39/AAEAAABkAAAAAAAAABQAAABAHwAAAAAAACYAAAAAAAAAwOD//wAAAAAmAAAAZAAAABYAAABMAAAAAAAAAAAAAAAEAAAAAAAAAAEAAADu7OEKAAAAACgAAAAoAAAAZAAAAGQAAAAAAAAAzMzMAAAAAABQAAAAUAAAAGQAAABkAAAAAAAAABcAAAAUAAAAAAAAAAAAAAD/fwAA/38AAAAAAAAJAAAABAAAAHDiWBoeAAAAaAAAAAAAAAAAAAAAAAAAAAAAAAAAAAAAECcAABAnAAAAAAAAAAAAAAAAAAAAAAAAAAAAAAAAAAAAAAAAAAAAABQAAAAAAAAAwMD/AAAAAABkAAAAMgAAAAAAAABkAAAAAAAAAH9/fwAKAAAAIgAAABgAAAAAAAAAAAAAAAAAAAAAAAAAAAAAAAAAAAAkAAAAJAAAAAAAAAAHAAAAAAAAAAAAAAAAAAAAAAAAAAAAAAAAAAAAf39/ACUAAABYAAAAAAAAAAAAAAAAAAAAAAAAAAAAAAAAAAAAAAAAAAAAAAAAAAAAAAAAAAAAAAA/AAAAAAAAAKCGAQAAAAAAAAAAAAAAAAAMAAAAAQAAAAAAAAAAAAAAAAAAAB8AAABUAAAAAAAABQAAAAEAAAAAAAAAAAAAAAAAAAAAAAAAAAAAAAAAAAAAAAAAAAAAAAJ/f38AAAAAA8zMzADAwP8Af39/AAAAAAAAAAAAAAAAAAAAAAAAAAAAIQAAABgAAAAUAAAAUCgAABonAABwNQAAWSkAABAAAAAmAAAACAAAAAAAAAAAAAAA"/>
               </a:ext>
             </a:extLst>
           </p:cNvSpPr>
@@ -1114,7 +1115,7 @@
             <a:pPr>
               <a:defRPr lang="fr-fr"/>
             </a:pPr>
-            <a:fld id="{04CEAD84-CAE9-9B5B-A776-3C0EE3385169}" type="slidenum">
+            <a:fld id="{2F1BAC49-07C2-4E5A-8CA3-F10FE2ED7AA4}" type="slidenum">
               <a:t/>
             </a:fld>
           </a:p>
@@ -1153,7 +1154,7 @@
             <a:spLocks noGrp="1" noChangeArrowheads="1"/>
             <a:extLst>
               <a:ext uri="smNativeData">
-                <pr:smNativeData xmlns:pr="smNativeData" xmlns="smNativeData" val="SMDATA_15_JtjWYhMAAAAlAAAAZAAAAA0AAAAAkAAAAEgAAACQAAAASAAAAAAAAAAAAAAAAAAAAAEAAABQAAAAAAAAAAAA4D8AAAAAAADgPwAAAAAAAOA/AAAAAAAA4D8AAAAAAADgPwAAAAAAAOA/AAAAAAAA4D8AAAAAAADgPwAAAAAAAOA/AAAAAAAA4D8CAAAAjAAAAAAAAAAAAAAAT4G9DP///wgAAAAAAAAAAAAAAAAAAAAAAAAAAAAAAAAAAAAAZAAAAAEAAABAAAAAAAAAAAAAAAAAAAAAAAAAAAAAAAAAAAAAAAAAAAAAAAAAAAAAAAAAAAAAAAAAAAAAAAAAAAAAAAAAAAAAAAAAAAAAAAAAAAAAAAAAAAAAAAAAAAAAFAAAADwAAAAAAAAAAAAAAAAAAAkUAAAAAQAAABQAAAAUAAAAFAAAAAEAAAAAAAAAZAAAAGQAAAAAAAAAZAAAAGQAAAAVAAAAYAAAAAAAAAAAAAAADwAAACADAAAAAAAAAAAAAAEAAACgMgAAVgcAAKr4//8BAAAAf39/AAEAAABkAAAAAAAAABQAAABAHwAAAAAAACYAAAAAAAAAwOD//wAAAAAmAAAAZAAAABYAAABMAAAAAAAAAAAAAAAEAAAAAAAAAAEAAADu7OEKAAAAACgAAAAoAAAAZAAAAGQAAAAAAAAAzMzMAAAAAABQAAAAUAAAAGQAAABkAAAAAAAAABcAAAAUAAAAAAAAAAAAAAD/fwAA/38AAAAAAAAJAAAABAAAAD7o2aweAAAAaAAAAAAAAAAAAAAAAAAAAAAAAAAAAAAAECcAABAnAAAAAAAAAAAAAAAAAAAAAAAAAAAAAAAAAAAAAAAAAAAAABQAAAAAAAAAwMD/AAAAAABkAAAAMgAAAAAAAABkAAAAAAAAAH9/fwAKAAAAIgAAABgAAAAAAAAAAAAAAAAAAAAAAAAAAAAAAAAAAAAkAAAAJAAAAAAAAAAHAAAAAAAAAAAAAAAAAAAAAAAAAAAAAAAAAAAAf39/ACUAAABYAAAAAAAAAAAAAAAAAAAAAAAAAAAAAAAAAAAAAAAAAAAAAAAAAAAAAAAAAAAAAAA/AAAAAAAAAKCGAQAAAAAAAAAAAAAAAAAMAAAAAQAAAAAAAAAAAAAAAAAAAB8AAABUAAAAAAAABQAAAAEAAAAAAAAAAAAAAAAAAAAAAAAAAAAAAAAAAAAAAAAAAAAAAAJ/f38AAAAAA8zMzADAwP8Af39/AAAAAAAAAAAAAAAAAAAAAAAAAAAAIQAAABgAAAAUAAAAcgQAABwbAABCNAAAfSMAABAAAAAmAAAACAAAAIGAAAAAAAAA"/>
+                <pr:smNativeData xmlns:pr="smNativeData" xmlns="smNativeData" val="SMDATA_15_iunWYhMAAAAlAAAAZAAAAA0AAAAAkAAAAEgAAACQAAAASAAAAAAAAAAAAAAAAAAAAAEAAABQAAAAAAAAAAAA4D8AAAAAAADgPwAAAAAAAOA/AAAAAAAA4D8AAAAAAADgPwAAAAAAAOA/AAAAAAAA4D8AAAAAAADgPwAAAAAAAOA/AAAAAAAA4D8CAAAAjAAAAAAAAAAAAAAAT4G9DP///wgAAAAAAAAAAAAAAAAAAAAAAAAAAAAAAAAAAAAAZAAAAAEAAABAAAAAAAAAAAAAAAAAAAAAAAAAAAAAAAAAAAAAAAAAAAAAAAAAAAAAAAAAAAAAAAAAAAAAAAAAAAAAAAAAAAAAAAAAAAAAAAAAAAAAAAAAAAAAAAAAAAAAFAAAADwAAAAAAAAAAAAAAAAAAAkUAAAAAQAAABQAAAAUAAAAFAAAAAEAAAAAAAAAZAAAAGQAAAAAAAAAZAAAAGQAAAAVAAAAYAAAAAAAAAAAAAAADwAAACADAAAAAAAAAAAAAAEAAACgMgAAVgcAAKr4//8BAAAAf39/AAEAAABkAAAAAAAAABQAAABAHwAAAAAAACYAAAAAAAAAwOD//wAAAAAmAAAAZAAAABYAAABMAAAAAAAAAAAAAAAEAAAAAAAAAAEAAADu7OEKAAAAACgAAAAoAAAAZAAAAGQAAAAAAAAAzMzMAAAAAABQAAAAUAAAAGQAAABkAAAAAAAAABcAAAAUAAAAAAAAAAAAAAD/fwAA/38AAAAAAAAJAAAABAAAAD7o2aweAAAAaAAAAAAAAAAAAAAAAAAAAAAAAAAAAAAAECcAABAnAAAAAAAAAAAAAAAAAAAAAAAAAAAAAAAAAAAAAAAAAAAAABQAAAAAAAAAwMD/AAAAAABkAAAAMgAAAAAAAABkAAAAAAAAAH9/fwAKAAAAIgAAABgAAAAAAAAAAAAAAAAAAAAAAAAAAAAAAAAAAAAkAAAAJAAAAAAAAAAHAAAAAAAAAAAAAAAAAAAAAAAAAAAAAAAAAAAAf39/ACUAAABYAAAAAAAAAAAAAAAAAAAAAAAAAAAAAAAAAAAAAAAAAAAAAAAAAAAAAAAAAAAAAAA/AAAAAAAAAKCGAQAAAAAAAAAAAAAAAAAMAAAAAQAAAAAAAAAAAAAAAAAAAB8AAABUAAAAAAAABQAAAAEAAAAAAAAAAAAAAAAAAAAAAAAAAAAAAAAAAAAAAAAAAAAAAAJ/f38AAAAAA8zMzADAwP8Af39/AAAAAAAAAAAAAAAAAAAAAAAAAAAAIQAAABgAAAAUAAAAcgQAABwbAABCNAAAfSMAABAAAAAmAAAACAAAAIGAAAAAAAAA"/>
               </a:ext>
             </a:extLst>
           </p:cNvSpPr>
@@ -1219,7 +1220,7 @@
             <a:spLocks noGrp="1" noChangeArrowheads="1"/>
             <a:extLst>
               <a:ext uri="smNativeData">
-                <pr:smNativeData xmlns:pr="smNativeData" xmlns="smNativeData" val="SMDATA_15_JtjWYhMAAAAlAAAAZAAAAA0AAAAAkAAAAEgAAACQAAAASAAAAAAAAAACAAAAAAAAAAEAAABQAAAAAAAAAAAA4D8AAAAAAADgPwAAAAAAAOA/AAAAAAAA4D8AAAAAAADgPwAAAAAAAOA/AAAAAAAA4D8AAAAAAADgPwAAAAAAAOA/AAAAAAAA4D8CAAAAjAAAAAAAAAAAAAAAT4G9DP///wgAAAAAAAAAAAAAAAAAAAAAAAAAAAAAAAAAAAAAZAAAAAEAAABAAAAAAAAAAAAAAAAAAAAAAAAAAAAAAAAAAAAAAAAAAAAAAAAAAAAAAAAAAAAAAAAAAAAAAAAAAAAAAAAAAAAAAAAAAAAAAAAAAAAAAAAAAAAAAAAAAAAAFAAAADwAAAAAAAAAAAAAAAAAAAkUAAAAAQAAABQAAAAUAAAAFAAAAAEAAAAAAAAAZAAAAGQAAAAAAAAAZAAAAGQAAAAVAAAAYAAAAAAAAAAAAAAADwAAACADAAAAAAAAAAAAAAEAAACgMgAAVgcAAKr4//8BAAAAf39/AAEAAABkAAAAAAAAABQAAABAHwAAAAAAACYAAAAAAAAAwOD//wAAAAAmAAAAZAAAABYAAABMAAAAAAAAAAAAAAAEAAAAAAAAAAEAAADu7OEKAAAAACgAAAAoAAAAZAAAAGQAAAAAAAAAzMzMAAAAAABQAAAAUAAAAGQAAABkAAAAAAAAABcAAAAUAAAAAAAAAAAAAAD/fwAA/38AAAAAAAAJAAAABAAAAD7o2aweAAAAaAAAAAAAAAAAAAAAAAAAAAAAAAAAAAAAECcAABAnAAAAAAAAAAAAAAAAAAAAAAAAAAAAAAAAAAAAAAAAAAAAABQAAAAAAAAAwMD/AAAAAABkAAAAMgAAAAAAAABkAAAAAAAAAH9/fwAKAAAAIgAAABgAAAAAAAAAAAAAAAAAAAAAAAAAAAAAAAAAAAAkAAAAJAAAAAAAAAAHAAAAAAAAAAAAAAAAAAAAAAAAAAAAAAAAAAAAf39/ACUAAABYAAAAAAAAAAAAAAAAAAAAAAAAAAAAAAAAAAAAAAAAAAAAAAAAAAAAAAAAAAAAAAA/AAAAAAAAAKCGAQAAAAAAAAAAAAAAAAAMAAAAAQAAAAAAAAAAAAAAAAAAAB8AAABUAAAAAAAABQAAAAEAAAAAAAAAAAAAAAAAAAAAAAAAAAAAAAAAAAAAAAAAAAAAAAJ/f38AAAAAA8zMzADAwP8Af39/AAAAAAAAAAAAAAAAAAAAAAAAAAAAIQAAABgAAAAUAAAAcgQAAOIRAABCNAAAHBsAABAAAAAmAAAACAAAAIGAAAAAAAAA"/>
+                <pr:smNativeData xmlns:pr="smNativeData" xmlns="smNativeData" val="SMDATA_15_iunWYhMAAAAlAAAAZAAAAA0AAAAAkAAAAEgAAACQAAAASAAAAAAAAAACAAAAAAAAAAEAAABQAAAAAAAAAAAA4D8AAAAAAADgPwAAAAAAAOA/AAAAAAAA4D8AAAAAAADgPwAAAAAAAOA/AAAAAAAA4D8AAAAAAADgPwAAAAAAAOA/AAAAAAAA4D8CAAAAjAAAAAAAAAAAAAAAT4G9DP///wgAAAAAAAAAAAAAAAAAAAAAAAAAAAAAAAAAAAAAZAAAAAEAAABAAAAAAAAAAAAAAAAAAAAAAAAAAAAAAAAAAAAAAAAAAAAAAAAAAAAAAAAAAAAAAAAAAAAAAAAAAAAAAAAAAAAAAAAAAAAAAAAAAAAAAAAAAAAAAAAAAAAAFAAAADwAAAAAAAAAAAAAAAAAAAkUAAAAAQAAABQAAAAUAAAAFAAAAAEAAAAAAAAAZAAAAGQAAAAAAAAAZAAAAGQAAAAVAAAAYAAAAAAAAAAAAAAADwAAACADAAAAAAAAAAAAAAEAAACgMgAAVgcAAKr4//8BAAAAf39/AAEAAABkAAAAAAAAABQAAABAHwAAAAAAACYAAAAAAAAAwOD//wAAAAAmAAAAZAAAABYAAABMAAAAAAAAAAAAAAAEAAAAAAAAAAEAAADu7OEKAAAAACgAAAAoAAAAZAAAAGQAAAAAAAAAzMzMAAAAAABQAAAAUAAAAGQAAABkAAAAAAAAABcAAAAUAAAAAAAAAAAAAAD/fwAA/38AAAAAAAAJAAAABAAAAD7o2aweAAAAaAAAAAAAAAAAAAAAAAAAAAAAAAAAAAAAECcAABAnAAAAAAAAAAAAAAAAAAAAAAAAAAAAAAAAAAAAAAAAAAAAABQAAAAAAAAAwMD/AAAAAABkAAAAMgAAAAAAAABkAAAAAAAAAH9/fwAKAAAAIgAAABgAAAAAAAAAAAAAAAAAAAAAAAAAAAAAAAAAAAAkAAAAJAAAAAAAAAAHAAAAAAAAAAAAAAAAAAAAAAAAAAAAAAAAAAAAf39/ACUAAABYAAAAAAAAAAAAAAAAAAAAAAAAAAAAAAAAAAAAAAAAAAAAAAAAAAAAAAAAAAAAAAA/AAAAAAAAAKCGAQAAAAAAAAAAAAAAAAAMAAAAAQAAAAAAAAAAAAAAAAAAAB8AAABUAAAAAAAABQAAAAEAAAAAAAAAAAAAAAAAAAAAAAAAAAAAAAAAAAAAAAAAAAAAAAJ/f38AAAAAA8zMzADAwP8Af39/AAAAAAAAAAAAAAAAAAAAAAAAAAAAIQAAABgAAAAUAAAAcgQAAOIRAABCNAAAHBsAABAAAAAmAAAACAAAAIGAAAAAAAAA"/>
               </a:ext>
             </a:extLst>
           </p:cNvSpPr>
@@ -1330,7 +1331,7 @@
             <a:spLocks noGrp="1" noChangeArrowheads="1"/>
             <a:extLst>
               <a:ext uri="smNativeData">
-                <pr:smNativeData xmlns:pr="smNativeData" xmlns="smNativeData" val="SMDATA_15_JtjWYhMAAAAlAAAAZAAAAA0AAAAAkAAAAEgAAACQAAAASAAAAAAAAAABAAAAAAAAAAEAAABQAAAAAAAAAAAA4D8AAAAAAADgPwAAAAAAAOA/AAAAAAAA4D8AAAAAAADgPwAAAAAAAOA/AAAAAAAA4D8AAAAAAADgPwAAAAAAAOA/AAAAAAAA4D8CAAAAjAAAAAAAAAAAAAAAT4G9DP///wgAAAAAAAAAAAAAAAAAAAAAAAAAAAAAAAAAAAAAZAAAAAEAAABAAAAAAAAAAAAAAAAAAAAAAAAAAAAAAAAAAAAAAAAAAAAAAAAAAAAAAAAAAAAAAAAAAAAAAAAAAAAAAAAAAAAAAAAAAAAAAAAAAAAAAAAAAAAAAAAAAAAAFAAAADwAAAAAAAAAAAAAAAAAAAkUAAAAAQAAABQAAAAUAAAAFAAAAAEAAAAAAAAAZAAAAGQAAAAAAAAAZAAAAGQAAAAVAAAAYAAAAAAAAAAAAAAADwAAACADAAAAAAAAAAAAAAEAAACgMgAAVgcAAKr4//8BAAAAf39/AAEAAABkAAAAAAAAABQAAABAHwAAAAAAACYAAAAAAAAAwOD//wAAAAAmAAAAZAAAABYAAABMAAAAAAAAAAAAAAAEAAAAAAAAAAEAAADu7OEKAAAAACgAAAAoAAAAZAAAAGQAAAAAAAAAzMzMAAAAAABQAAAAUAAAAGQAAABkAAAAAAAAABcAAAAUAAAAAAAAAAAAAAD/fwAA/38AAAAAAAAJAAAABAAAAAAAAAAeAAAAaAAAAAAAAAAAAAAAAAAAAAAAAAAAAAAAECcAABAnAAAAAAAAAAAAAAAAAAAAAAAAAAAAAAAAAAAAAAAAAAAAABQAAAAAAAAAwMD/AAAAAABkAAAAMgAAAAAAAABkAAAAAAAAAH9/fwAKAAAAIgAAABgAAAAAAAAAAAAAAAAAAAAAAAAAAAAAAAAAAAAkAAAAJAAAAAAAAAAHAAAAAAAAAAAAAAAAAAAAAAAAAAAAAAAAAAAAf39/ACUAAABYAAAAAAAAAAAAAAAAAAAAAAAAAAAAAAAAAAAAAAAAAAAAAAAAAAAAAAAAAAAAAAA/AAAAAAAAAKCGAQAAAAAAAAAAAAAAAAAMAAAAAQAAAAAAAAAAAAAAAAAAAB8AAABUAAAAAAAABQAAAAEAAAAAAAAAAAAAAAAAAAAAAAAAAAAAAAAAAAAAAAAAAAAAAAJ/f38AAAAAA8zMzADAwP8Af39/AAAAAAAAAAAAAAAAAAAAAAAAAAAAIQAAABgAAAAUAAAA0AIAABonAADwDwAAWSkAABAAAAAmAAAACAAAAAAAAAAAAAAA"/>
+                <pr:smNativeData xmlns:pr="smNativeData" xmlns="smNativeData" val="SMDATA_15_iunWYhMAAAAlAAAAZAAAAA0AAAAAkAAAAEgAAACQAAAASAAAAAAAAAABAAAAAAAAAAEAAABQAAAAAAAAAAAA4D8AAAAAAADgPwAAAAAAAOA/AAAAAAAA4D8AAAAAAADgPwAAAAAAAOA/AAAAAAAA4D8AAAAAAADgPwAAAAAAAOA/AAAAAAAA4D8CAAAAjAAAAAAAAAAAAAAAT4G9DP///wgAAAAAAAAAAAAAAAAAAAAAAAAAAAAAAAAAAAAAZAAAAAEAAABAAAAAAAAAAAAAAAAAAAAAAAAAAAAAAAAAAAAAAAAAAAAAAAAAAAAAAAAAAAAAAAAAAAAAAAAAAAAAAAAAAAAAAAAAAAAAAAAAAAAAAAAAAAAAAAAAAAAAFAAAADwAAAAAAAAAAAAAAAAAAAkUAAAAAQAAABQAAAAUAAAAFAAAAAEAAAAAAAAAZAAAAGQAAAAAAAAAZAAAAGQAAAAVAAAAYAAAAAAAAAAAAAAADwAAACADAAAAAAAAAAAAAAEAAACgMgAAVgcAAKr4//8BAAAAf39/AAEAAABkAAAAAAAAABQAAABAHwAAAAAAACYAAAAAAAAAwOD//wAAAAAmAAAAZAAAABYAAABMAAAAAAAAAAAAAAAEAAAAAAAAAAEAAADu7OEKAAAAACgAAAAoAAAAZAAAAGQAAAAAAAAAzMzMAAAAAABQAAAAUAAAAGQAAABkAAAAAAAAABcAAAAUAAAAAAAAAAAAAAD/fwAA/38AAAAAAAAJAAAABAAAAAAAAAAeAAAAaAAAAAAAAAAAAAAAAAAAAAAAAAAAAAAAECcAABAnAAAAAAAAAAAAAAAAAAAAAAAAAAAAAAAAAAAAAAAAAAAAABQAAAAAAAAAwMD/AAAAAABkAAAAMgAAAAAAAABkAAAAAAAAAH9/fwAKAAAAIgAAABgAAAAAAAAAAAAAAAAAAAAAAAAAAAAAAAAAAAAkAAAAJAAAAAAAAAAHAAAAAAAAAAAAAAAAAAAAAAAAAAAAAAAAAAAAf39/ACUAAABYAAAAAAAAAAAAAAAAAAAAAAAAAAAAAAAAAAAAAAAAAAAAAAAAAAAAAAAAAAAAAAA/AAAAAAAAAKCGAQAAAAAAAAAAAAAAAAAMAAAAAQAAAAAAAAAAAAAAAAAAAB8AAABUAAAAAAAABQAAAAEAAAAAAAAAAAAAAAAAAAAAAAAAAAAAAAAAAAAAAAAAAAAAAAJ/f38AAAAAA8zMzADAwP8Af39/AAAAAAAAAAAAAAAAAAAAAAAAAAAAIQAAABgAAAAUAAAA0AIAABonAADwDwAAWSkAABAAAAAmAAAACAAAAAAAAAAAAAAA"/>
               </a:ext>
             </a:extLst>
           </p:cNvSpPr>
@@ -1346,7 +1347,7 @@
             <a:pPr>
               <a:defRPr lang="fr-fr"/>
             </a:pPr>
-            <a:fld id="{4D4DF39A-D4A0-1805-EEF5-2250BDBB1877}" type="datetime1">
+            <a:fld id="{7189909B-D59C-DC66-D231-2333DE7F2476}" type="datetime1">
               <a:t>1/04/15</a:t>
             </a:fld>
           </a:p>
@@ -1359,7 +1360,7 @@
             <a:spLocks noGrp="1" noChangeArrowheads="1"/>
             <a:extLst>
               <a:ext uri="smNativeData">
-                <pr:smNativeData xmlns:pr="smNativeData" xmlns="smNativeData" val="SMDATA_15_JtjWYhMAAAAlAAAAZAAAAA0AAAAAkAAAAEgAAACQAAAASAAAAAAAAAABAAAAAAAAAAEAAABQAAAAAAAAAAAA4D8AAAAAAADgPwAAAAAAAOA/AAAAAAAA4D8AAAAAAADgPwAAAAAAAOA/AAAAAAAA4D8AAAAAAADgPwAAAAAAAOA/AAAAAAAA4D8CAAAAjAAAAAAAAAAAAAAAT4G9DP///wgAAAAAAAAAAAAAAAAAAAAAAAAAAAAAAAAAAAAAZAAAAAEAAABAAAAAAAAAAAAAAAAAAAAAAAAAAAAAAAAAAAAAAAAAAAAAAAAAAAAAAAAAAAAAAAAAAAAAAAAAAAAAAAAAAAAAAAAAAAAAAAAAAAAAAAAAAAAAAAAAAAAAFAAAADwAAAAAAAAAAAAAAAAAAAkUAAAAAQAAABQAAAAUAAAAFAAAAAEAAAAAAAAAZAAAAGQAAAAAAAAAZAAAAGQAAAAVAAAAYAAAAAAAAAAAAAAADwAAACADAAAAAAAAAAAAAAEAAACgMgAAVgcAAKr4//8BAAAAf39/AAEAAABkAAAAAAAAABQAAABAHwAAAAAAACYAAAAAAAAAwOD//wAAAAAmAAAAZAAAABYAAABMAAAAAAAAAAAAAAAEAAAAAAAAAAEAAADu7OEKAAAAACgAAAAoAAAAZAAAAGQAAAAAAAAAzMzMAAAAAABQAAAAUAAAAGQAAABkAAAAAAAAABcAAAAUAAAAAAAAAAAAAAD/fwAA/38AAAAAAAAJAAAABAAAAFDFzyEeAAAAaAAAAAAAAAAAAAAAAAAAAAAAAAAAAAAAECcAABAnAAAAAAAAAAAAAAAAAAAAAAAAAAAAAAAAAAAAAAAAAAAAABQAAAAAAAAAwMD/AAAAAABkAAAAMgAAAAAAAABkAAAAAAAAAH9/fwAKAAAAIgAAABgAAAAAAAAAAAAAAAAAAAAAAAAAAAAAAAAAAAAkAAAAJAAAAAAAAAAHAAAAAAAAAAAAAAAAAAAAAAAAAAAAAAAAAAAAf39/ACUAAABYAAAAAAAAAAAAAAAAAAAAAAAAAAAAAAAAAAAAAAAAAAAAAAAAAAAAAAAAAAAAAAA/AAAAAAAAAKCGAQAAAAAAAAAAAAAAAAAMAAAAAQAAAAAAAAAAAAAAAAAAAB8AAABUAAAAAAAABQAAAAEAAAAAAAAAAAAAAAAAAAAAAAAAAAAAAAAAAAAAAAAAAAAAAAJ/f38AAAAAA8zMzADAwP8Af39/AAAAAAAAAAAAAAAAAAAAAAAAAAAAIQAAABgAAAAUAAAAOBMAABonAAAIJQAAWSkAABAAAAAmAAAACAAAAAAAAAAAAAAA"/>
+                <pr:smNativeData xmlns:pr="smNativeData" xmlns="smNativeData" val="SMDATA_15_iunWYhMAAAAlAAAAZAAAAA0AAAAAkAAAAEgAAACQAAAASAAAAAAAAAABAAAAAAAAAAEAAABQAAAAAAAAAAAA4D8AAAAAAADgPwAAAAAAAOA/AAAAAAAA4D8AAAAAAADgPwAAAAAAAOA/AAAAAAAA4D8AAAAAAADgPwAAAAAAAOA/AAAAAAAA4D8CAAAAjAAAAAAAAAAAAAAAT4G9DP///wgAAAAAAAAAAAAAAAAAAAAAAAAAAAAAAAAAAAAAZAAAAAEAAABAAAAAAAAAAAAAAAAAAAAAAAAAAAAAAAAAAAAAAAAAAAAAAAAAAAAAAAAAAAAAAAAAAAAAAAAAAAAAAAAAAAAAAAAAAAAAAAAAAAAAAAAAAAAAAAAAAAAAFAAAADwAAAAAAAAAAAAAAAAAAAkUAAAAAQAAABQAAAAUAAAAFAAAAAEAAAAAAAAAZAAAAGQAAAAAAAAAZAAAAGQAAAAVAAAAYAAAAAAAAAAAAAAADwAAACADAAAAAAAAAAAAAAEAAACgMgAAVgcAAKr4//8BAAAAf39/AAEAAABkAAAAAAAAABQAAABAHwAAAAAAACYAAAAAAAAAwOD//wAAAAAmAAAAZAAAABYAAABMAAAAAAAAAAAAAAAEAAAAAAAAAAEAAADu7OEKAAAAACgAAAAoAAAAZAAAAGQAAAAAAAAAzMzMAAAAAABQAAAAUAAAAGQAAABkAAAAAAAAABcAAAAUAAAAAAAAAAAAAAD/fwAA/38AAAAAAAAJAAAABAAAAFDFzyEeAAAAaAAAAAAAAAAAAAAAAAAAAAAAAAAAAAAAECcAABAnAAAAAAAAAAAAAAAAAAAAAAAAAAAAAAAAAAAAAAAAAAAAABQAAAAAAAAAwMD/AAAAAABkAAAAMgAAAAAAAABkAAAAAAAAAH9/fwAKAAAAIgAAABgAAAAAAAAAAAAAAAAAAAAAAAAAAAAAAAAAAAAkAAAAJAAAAAAAAAAHAAAAAAAAAAAAAAAAAAAAAAAAAAAAAAAAAAAAf39/ACUAAABYAAAAAAAAAAAAAAAAAAAAAAAAAAAAAAAAAAAAAAAAAAAAAAAAAAAAAAAAAAAAAAA/AAAAAAAAAKCGAQAAAAAAAAAAAAAAAAAMAAAAAQAAAAAAAAAAAAAAAAAAAB8AAABUAAAAAAAABQAAAAEAAAAAAAAAAAAAAAAAAAAAAAAAAAAAAAAAAAAAAAAAAAAAAAJ/f38AAAAAA8zMzADAwP8Af39/AAAAAAAAAAAAAAAAAAAAAAAAAAAAIQAAABgAAAAUAAAAOBMAABonAAAIJQAAWSkAABAAAAAmAAAACAAAAAAAAAAAAAAA"/>
               </a:ext>
             </a:extLst>
           </p:cNvSpPr>
@@ -1385,7 +1386,7 @@
             <a:spLocks noGrp="1" noChangeArrowheads="1"/>
             <a:extLst>
               <a:ext uri="smNativeData">
-                <pr:smNativeData xmlns:pr="smNativeData" xmlns="smNativeData" val="SMDATA_15_JtjWYhMAAAAlAAAAZAAAAA0AAAAAkAAAAEgAAACQAAAASAAAAAAAAAABAAAAAAAAAAEAAABQAAAAAAAAAAAA4D8AAAAAAADgPwAAAAAAAOA/AAAAAAAA4D8AAAAAAADgPwAAAAAAAOA/AAAAAAAA4D8AAAAAAADgPwAAAAAAAOA/AAAAAAAA4D8CAAAAjAAAAAAAAAAAAAAAT4G9DP///wgAAAAAAAAAAAAAAAAAAAAAAAAAAAAAAAAAAAAAZAAAAAEAAABAAAAAAAAAAAAAAAAAAAAAAAAAAAAAAAAAAAAAAAAAAAAAAAAAAAAAAAAAAAAAAAAAAAAAAAAAAAAAAAAAAAAAAAAAAAAAAAAAAAAAAAAAAAAAAAAAAAAAFAAAADwAAAAAAAAAAAAAAAAAAAkUAAAAAQAAABQAAAAUAAAAFAAAAAEAAAAAAAAAZAAAAGQAAAAAAAAAZAAAAGQAAAAVAAAAYAAAAAAAAAAAAAAADwAAACADAAAAAAAAAAAAAAEAAACgMgAAVgcAAKr4//8BAAAAf39/AAEAAABkAAAAAAAAABQAAABAHwAAAAAAACYAAAAAAAAAwOD//wAAAAAmAAAAZAAAABYAAABMAAAAAAAAAAAAAAAEAAAAAAAAAAEAAADu7OEKAAAAACgAAAAoAAAAZAAAAGQAAAAAAAAAzMzMAAAAAABQAAAAUAAAAGQAAABkAAAAAAAAABcAAAAUAAAAAAAAAAAAAAD/fwAA/38AAAAAAAAJAAAABAAAAAAAAAAeAAAAaAAAAAAAAAAAAAAAAAAAAAAAAAAAAAAAECcAABAnAAAAAAAAAAAAAAAAAAAAAAAAAAAAAAAAAAAAAAAAAAAAABQAAAAAAAAAwMD/AAAAAABkAAAAMgAAAAAAAABkAAAAAAAAAH9/fwAKAAAAIgAAABgAAAAAAAAAAAAAAAAAAAAAAAAAAAAAAAAAAAAkAAAAJAAAAAAAAAAHAAAAAAAAAAAAAAAAAAAAAAAAAAAAAAAAAAAAf39/ACUAAABYAAAAAAAAAAAAAAAAAAAAAAAAAAAAAAAAAAAAAAAAAAAAAAAAAAAAAAAAAAAAAAA/AAAAAAAAAKCGAQAAAAAAAAAAAAAAAAAMAAAAAQAAAAAAAAAAAAAAAAAAAB8AAABUAAAAAAAABQAAAAEAAAAAAAAAAAAAAAAAAAAAAAAAAAAAAAAAAAAAAAAAAAAAAAJ/f38AAAAAA8zMzADAwP8Af39/AAAAAAAAAAAAAAAAAAAAAAAAAAAAIQAAABgAAAAUAAAAUCgAABonAABwNQAAWSkAABAAAAAmAAAACAAAAAAAAAAAAAAA"/>
+                <pr:smNativeData xmlns:pr="smNativeData" xmlns="smNativeData" val="SMDATA_15_iunWYhMAAAAlAAAAZAAAAA0AAAAAkAAAAEgAAACQAAAASAAAAAAAAAABAAAAAAAAAAEAAABQAAAAAAAAAAAA4D8AAAAAAADgPwAAAAAAAOA/AAAAAAAA4D8AAAAAAADgPwAAAAAAAOA/AAAAAAAA4D8AAAAAAADgPwAAAAAAAOA/AAAAAAAA4D8CAAAAjAAAAAAAAAAAAAAAT4G9DP///wgAAAAAAAAAAAAAAAAAAAAAAAAAAAAAAAAAAAAAZAAAAAEAAABAAAAAAAAAAAAAAAAAAAAAAAAAAAAAAAAAAAAAAAAAAAAAAAAAAAAAAAAAAAAAAAAAAAAAAAAAAAAAAAAAAAAAAAAAAAAAAAAAAAAAAAAAAAAAAAAAAAAAFAAAADwAAAAAAAAAAAAAAAAAAAkUAAAAAQAAABQAAAAUAAAAFAAAAAEAAAAAAAAAZAAAAGQAAAAAAAAAZAAAAGQAAAAVAAAAYAAAAAAAAAAAAAAADwAAACADAAAAAAAAAAAAAAEAAACgMgAAVgcAAKr4//8BAAAAf39/AAEAAABkAAAAAAAAABQAAABAHwAAAAAAACYAAAAAAAAAwOD//wAAAAAmAAAAZAAAABYAAABMAAAAAAAAAAAAAAAEAAAAAAAAAAEAAADu7OEKAAAAACgAAAAoAAAAZAAAAGQAAAAAAAAAzMzMAAAAAABQAAAAUAAAAGQAAABkAAAAAAAAABcAAAAUAAAAAAAAAAAAAAD/fwAA/38AAAAAAAAJAAAABAAAAAAAAAAeAAAAaAAAAAAAAAAAAAAAAAAAAAAAAAAAAAAAECcAABAnAAAAAAAAAAAAAAAAAAAAAAAAAAAAAAAAAAAAAAAAAAAAABQAAAAAAAAAwMD/AAAAAABkAAAAMgAAAAAAAABkAAAAAAAAAH9/fwAKAAAAIgAAABgAAAAAAAAAAAAAAAAAAAAAAAAAAAAAAAAAAAAkAAAAJAAAAAAAAAAHAAAAAAAAAAAAAAAAAAAAAAAAAAAAAAAAAAAAf39/ACUAAABYAAAAAAAAAAAAAAAAAAAAAAAAAAAAAAAAAAAAAAAAAAAAAAAAAAAAAAAAAAAAAAA/AAAAAAAAAKCGAQAAAAAAAAAAAAAAAAAMAAAAAQAAAAAAAAAAAAAAAAAAAB8AAABUAAAAAAAABQAAAAEAAAAAAAAAAAAAAAAAAAAAAAAAAAAAAAAAAAAAAAAAAAAAAAJ/f38AAAAAA8zMzADAwP8Af39/AAAAAAAAAAAAAAAAAAAAAAAAAAAAIQAAABgAAAAUAAAAUCgAABonAABwNQAAWSkAABAAAAAmAAAACAAAAAAAAAAAAAAA"/>
               </a:ext>
             </a:extLst>
           </p:cNvSpPr>
@@ -1401,7 +1402,7 @@
             <a:pPr>
               <a:defRPr lang="fr-fr"/>
             </a:pPr>
-            <a:fld id="{02DF6249-07EF-8A94-A167-F1C12C2957A4}" type="slidenum">
+            <a:fld id="{3AA0A570-3ED7-F553-9918-C806EB566F9D}" type="slidenum">
               <a:t>‹#›</a:t>
             </a:fld>
           </a:p>
@@ -1440,7 +1441,7 @@
             <a:spLocks noGrp="1" noChangeArrowheads="1"/>
             <a:extLst>
               <a:ext uri="smNativeData">
-                <pr:smNativeData xmlns:pr="smNativeData" xmlns="smNativeData" val="SMDATA_15_JtjWYhMAAAAlAAAAZAAAAA0AAAAAkAAAAEgAAACQAAAASAAAAAAAAAABAAAAAAAAAAEAAABQAAAAAAAAAAAA4D8AAAAAAADgPwAAAAAAAOA/AAAAAAAA4D8AAAAAAADgPwAAAAAAAOA/AAAAAAAA4D8AAAAAAADgPwAAAAAAAOA/AAAAAAAA4D8CAAAAjAAAAAAAAAAAAAAAT4G9DP///wgAAAAAAAAAAAAAAAAAAAAAAAAAAAAAAAAAAAAAZAAAAAEAAABAAAAAAAAAAAAAAAAAAAAAAAAAAAAAAAAAAAAAAAAAAAAAAAAAAAAAAAAAAAAAAAAAAAAAAAAAAAAAAAAAAAAAAAAAAAAAAAAAAAAAAAAAAAAAAAAAAAAAFAAAADwAAAAAAAAAAAAAAAAAAAkUAAAAAQAAABQAAAAUAAAAFAAAAAEAAAAAAAAAZAAAAGQAAAAAAAAAZAAAAGQAAAAVAAAAYAAAAAAAAAAAAAAADwAAACADAAAAAAAAAAAAAAEAAACgMgAAVgcAAKr4//8BAAAAf39/AAEAAABkAAAAAAAAABQAAABAHwAAAAAAACYAAAAAAAAAwOD//wAAAAAmAAAAZAAAABYAAABMAAAAAAAAAAAAAAAEAAAAAAAAAAEAAADu7OEKAAAAACgAAAAoAAAAZAAAAGQAAAAAAAAAzMzMAAAAAABQAAAAUAAAAGQAAABkAAAAAAAAABcAAAAUAAAAAAAAAAAAAAD/fwAA/38AAAAAAAAJAAAABAAAAAAAAAAeAAAAaAAAAAAAAAAAAAAAAAAAAAAAAAAAAAAAECcAABAnAAAAAAAAAAAAAAAAAAAAAAAAAAAAAAAAAAAAAAAAAAAAABQAAAAAAAAAwMD/AAAAAABkAAAAMgAAAAAAAABkAAAAAAAAAH9/fwAKAAAAIgAAABgAAAAAAAAAAAAAAAAAAAAAAAAAAAAAAAAAAAAkAAAAJAAAAAAAAAAHAAAAAAAAAAAAAAAAAAAAAAAAAAAAAAAAAAAAf39/ACUAAABYAAAAAAAAAAAAAAAAAAAAAAAAAAAAAAAAAAAAAAAAAAAAAAAAAAAAAAAAAAAAAAA/AAAAAAAAAKCGAQAAAAAAAAAAAAAAAAAMAAAAAQAAAAAAAAAAAAAAAAAAAB8AAABUAAAAAAAABQAAAAEAAAAAAAAAAAAAAAAAAAAAAAAAAAAAAAAAAAAAAAAAAAAAAAJ/f38AAAAAA8zMzADAwP8Af39/AAAAAAAAAAAAAAAAAAAAAAAAAAAAIQAAABgAAAAUAAAA0AIAALEBAABwNQAAuQgAABAAAAAmAAAACAAAAAAAAAAAAAAA"/>
+                <pr:smNativeData xmlns:pr="smNativeData" xmlns="smNativeData" val="SMDATA_15_iunWYhMAAAAlAAAAZAAAAA0AAAAAkAAAAEgAAACQAAAASAAAAAAAAAABAAAAAAAAAAEAAABQAAAAAAAAAAAA4D8AAAAAAADgPwAAAAAAAOA/AAAAAAAA4D8AAAAAAADgPwAAAAAAAOA/AAAAAAAA4D8AAAAAAADgPwAAAAAAAOA/AAAAAAAA4D8CAAAAjAAAAAAAAAAAAAAAT4G9DP///wgAAAAAAAAAAAAAAAAAAAAAAAAAAAAAAAAAAAAAZAAAAAEAAABAAAAAAAAAAAAAAAAAAAAAAAAAAAAAAAAAAAAAAAAAAAAAAAAAAAAAAAAAAAAAAAAAAAAAAAAAAAAAAAAAAAAAAAAAAAAAAAAAAAAAAAAAAAAAAAAAAAAAFAAAADwAAAAAAAAAAAAAAAAAAAkUAAAAAQAAABQAAAAUAAAAFAAAAAEAAAAAAAAAZAAAAGQAAAAAAAAAZAAAAGQAAAAVAAAAYAAAAAAAAAAAAAAADwAAACADAAAAAAAAAAAAAAEAAACgMgAAVgcAAKr4//8BAAAAf39/AAEAAABkAAAAAAAAABQAAABAHwAAAAAAACYAAAAAAAAAwOD//wAAAAAmAAAAZAAAABYAAABMAAAAAAAAAAAAAAAEAAAAAAAAAAEAAADu7OEKAAAAACgAAAAoAAAAZAAAAGQAAAAAAAAAzMzMAAAAAABQAAAAUAAAAGQAAABkAAAAAAAAABcAAAAUAAAAAAAAAAAAAAD/fwAA/38AAAAAAAAJAAAABAAAAAAAAAAeAAAAaAAAAAAAAAAAAAAAAAAAAAAAAAAAAAAAECcAABAnAAAAAAAAAAAAAAAAAAAAAAAAAAAAAAAAAAAAAAAAAAAAABQAAAAAAAAAwMD/AAAAAABkAAAAMgAAAAAAAABkAAAAAAAAAH9/fwAKAAAAIgAAABgAAAAAAAAAAAAAAAAAAAAAAAAAAAAAAAAAAAAkAAAAJAAAAAAAAAAHAAAAAAAAAAAAAAAAAAAAAAAAAAAAAAAAAAAAf39/ACUAAABYAAAAAAAAAAAAAAAAAAAAAAAAAAAAAAAAAAAAAAAAAAAAAAAAAAAAAAAAAAAAAAA/AAAAAAAAAKCGAQAAAAAAAAAAAAAAAAAMAAAAAQAAAAAAAAAAAAAAAAAAAB8AAABUAAAAAAAABQAAAAEAAAAAAAAAAAAAAAAAAAAAAAAAAAAAAAAAAAAAAAAAAAAAAAJ/f38AAAAAA8zMzADAwP8Af39/AAAAAAAAAAAAAAAAAAAAAAAAAAAAIQAAABgAAAAUAAAA0AIAALEBAABwNQAAuQgAABAAAAAmAAAACAAAAAAAAAAAAAAA"/>
               </a:ext>
             </a:extLst>
           </p:cNvSpPr>
@@ -1469,7 +1470,7 @@
             <a:spLocks noGrp="1" noChangeArrowheads="1"/>
             <a:extLst>
               <a:ext uri="smNativeData">
-                <pr:smNativeData xmlns:pr="smNativeData" xmlns="smNativeData" val="SMDATA_15_JtjWYhMAAAAlAAAAZAAAAA0AAAAAkAAAAEgAAACQAAAASAAAAAAAAAAAAAAAAAAAAAEAAABQAAAAAAAAAAAA4D8AAAAAAADgPwAAAAAAAOA/AAAAAAAA4D8AAAAAAADgPwAAAAAAAOA/AAAAAAAA4D8AAAAAAADgPwAAAAAAAOA/AAAAAAAA4D8CAAAAjAAAAAAAAAAAAAAAT4G9DP///wgAAAAAAAAAAAAAAAAAAAAAAAAAAAAAAAAAAAAAZAAAAAEAAABAAAAAAAAAAAAAAAAAAAAAAAAAAAAAAAAAAAAAAAAAAAAAAAAAAAAAAAAAAAAAAAAAAAAAAAAAAAAAAAAAAAAAAAAAAAAAAAAAAAAAAAAAAAAAAAAAAAAAFAAAADwAAAAAAAAAAAAAAAAAAAkUAAAAAQAAABQAAAAUAAAAFAAAAAEAAAAAAAAAZAAAAGQAAAAAAAAAZAAAAGQAAAAVAAAAYAAAAAAAAAAAAAAADwAAACADAAAAAAAAAAAAAAEAAACgMgAAVgcAAKr4//8BAAAAf39/AAEAAABkAAAAAAAAABQAAABAHwAAAAAAACYAAAAAAAAAwOD//wAAAAAmAAAAZAAAABYAAABMAAAAAAAAAAAAAAAEAAAAAAAAAAEAAADu7OEKAAAAACgAAAAoAAAAZAAAAGQAAAAAAAAAzMzMAAAAAABQAAAAUAAAAGQAAABkAAAAAAAAABcAAAAUAAAAAAAAAAAAAAD/fwAA/38AAAAAAAAJAAAABAAAAFRhcmceAAAAaAAAAAAAAAAAAAAAAAAAAAAAAAAAAAAAECcAABAnAAAAAAAAAAAAAAAAAAAAAAAAAAAAAAAAAAAAAAAAAAAAABQAAAAAAAAAwMD/AAAAAABkAAAAMgAAAAAAAABkAAAAAAAAAH9/fwAKAAAAIgAAABgAAAAAAAAAAAAAAAAAAAAAAAAAAAAAAAAAAAAkAAAAJAAAAAAAAAAHAAAAAAAAAAAAAAAAAAAAAAAAAAAAAAAAAAAAf39/ACUAAABYAAAAAAAAAAAAAAAAAAAAAAAAAAAAAAAAAAAAAAAAAAAAAAAAAAAAAAAAAAAAAAA/AAAAAAAAAKCGAQAAAAAAAAAAAAAAAAAMAAAAAQAAAAAAAAAAAAAAAAAAAB8AAABUAAAAAAAABQAAAAEAAAAAAAAAAAAAAAAAAAAAAAAAAAAAAAAAAAAAAAAAAAAAAAJ/f38AAAAAA8zMzADAwP8Af39/AAAAAAAAAAAAAAAAAAAAAAAAAAAAIQAAABgAAAAUAAAA0AIAANgJAACoGwAAsCUAABAAAAAmAAAACAAAAAGAAAAAAAAA"/>
+                <pr:smNativeData xmlns:pr="smNativeData" xmlns="smNativeData" val="SMDATA_15_iunWYhMAAAAlAAAAZAAAAA0AAAAAkAAAAEgAAACQAAAASAAAAAAAAAAAAAAAAAAAAAEAAABQAAAAAAAAAAAA4D8AAAAAAADgPwAAAAAAAOA/AAAAAAAA4D8AAAAAAADgPwAAAAAAAOA/AAAAAAAA4D8AAAAAAADgPwAAAAAAAOA/AAAAAAAA4D8CAAAAjAAAAAAAAAAAAAAAT4G9DP///wgAAAAAAAAAAAAAAAAAAAAAAAAAAAAAAAAAAAAAZAAAAAEAAABAAAAAAAAAAAAAAAAAAAAAAAAAAAAAAAAAAAAAAAAAAAAAAAAAAAAAAAAAAAAAAAAAAAAAAAAAAAAAAAAAAAAAAAAAAAAAAAAAAAAAAAAAAAAAAAAAAAAAFAAAADwAAAAAAAAAAAAAAAAAAAkUAAAAAQAAABQAAAAUAAAAFAAAAAEAAAAAAAAAZAAAAGQAAAAAAAAAZAAAAGQAAAAVAAAAYAAAAAAAAAAAAAAADwAAACADAAAAAAAAAAAAAAEAAACgMgAAVgcAAKr4//8BAAAAf39/AAEAAABkAAAAAAAAABQAAABAHwAAAAAAACYAAAAAAAAAwOD//wAAAAAmAAAAZAAAABYAAABMAAAAAAAAAAAAAAAEAAAAAAAAAAEAAADu7OEKAAAAACgAAAAoAAAAZAAAAGQAAAAAAAAAzMzMAAAAAABQAAAAUAAAAGQAAABkAAAAAAAAABcAAAAUAAAAAAAAAAAAAAD/fwAA/38AAAAAAAAJAAAABAAAAFRhcmceAAAAaAAAAAAAAAAAAAAAAAAAAAAAAAAAAAAAECcAABAnAAAAAAAAAAAAAAAAAAAAAAAAAAAAAAAAAAAAAAAAAAAAABQAAAAAAAAAwMD/AAAAAABkAAAAMgAAAAAAAABkAAAAAAAAAH9/fwAKAAAAIgAAABgAAAAAAAAAAAAAAAAAAAAAAAAAAAAAAAAAAAAkAAAAJAAAAAAAAAAHAAAAAAAAAAAAAAAAAAAAAAAAAAAAAAAAAAAAf39/ACUAAABYAAAAAAAAAAAAAAAAAAAAAAAAAAAAAAAAAAAAAAAAAAAAAAAAAAAAAAAAAAAAAAA/AAAAAAAAAKCGAQAAAAAAAAAAAAAAAAAMAAAAAQAAAAAAAAAAAAAAAAAAAB8AAABUAAAAAAAABQAAAAEAAAAAAAAAAAAAAAAAAAAAAAAAAAAAAAAAAAAAAAAAAAAAAAJ/f38AAAAAA8zMzADAwP8Af39/AAAAAAAAAAAAAAAAAAAAAAAAAAAAIQAAABgAAAAUAAAA0AIAANgJAACoGwAAsCUAABAAAAAmAAAACAAAAAGAAAAAAAAA"/>
               </a:ext>
             </a:extLst>
           </p:cNvSpPr>
@@ -1563,7 +1564,7 @@
             <a:spLocks noGrp="1" noChangeArrowheads="1"/>
             <a:extLst>
               <a:ext uri="smNativeData">
-                <pr:smNativeData xmlns:pr="smNativeData" xmlns="smNativeData" val="SMDATA_15_JtjWYhMAAAAlAAAAZAAAAA0AAAAAkAAAAEgAAACQAAAASAAAAAAAAAAAAAAAAAAAAAEAAABQAAAAAAAAAAAA4D8AAAAAAADgPwAAAAAAAOA/AAAAAAAA4D8AAAAAAADgPwAAAAAAAOA/AAAAAAAA4D8AAAAAAADgPwAAAAAAAOA/AAAAAAAA4D8CAAAAjAAAAAAAAAAAAAAAT4G9DP///wgAAAAAAAAAAAAAAAAAAAAAAAAAAAAAAAAAAAAAZAAAAAEAAABAAAAAAAAAAAAAAAAAAAAAAAAAAAAAAAAAAAAAAAAAAAAAAAAAAAAAAAAAAAAAAAAAAAAAAAAAAAAAAAAAAAAAAAAAAAAAAAAAAAAAAAAAAAAAAAAAAAAAFAAAADwAAAAAAAAAAAAAAAAAAAkUAAAAAQAAABQAAAAUAAAAFAAAAAEAAAAAAAAAZAAAAGQAAAAAAAAAZAAAAGQAAAAVAAAAYAAAAAAAAAAAAAAADwAAACADAAAAAAAAAAAAAAEAAACgMgAAVgcAAKr4//8BAAAAf39/AAEAAABkAAAAAAAAABQAAABAHwAAAAAAACYAAAAAAAAAwOD//wAAAAAmAAAAZAAAABYAAABMAAAAAAAAAAAAAAAEAAAAAAAAAAEAAADu7OEKAAAAACgAAAAoAAAAZAAAAGQAAAAAAAAAzMzMAAAAAABQAAAAUAAAAGQAAABkAAAAAAAAABcAAAAUAAAAAAAAAAAAAAD/fwAA/38AAAAAAAAJAAAABAAAAAAAAAAeAAAAaAAAAAAAAAAAAAAAAAAAAAAAAAAAAAAAECcAABAnAAAAAAAAAAAAAAAAAAAAAAAAAAAAAAAAAAAAAAAAAAAAABQAAAAAAAAAwMD/AAAAAABkAAAAMgAAAAAAAABkAAAAAAAAAH9/fwAKAAAAIgAAABgAAAAAAAAAAAAAAAAAAAAAAAAAAAAAAAAAAAAkAAAAJAAAAAAAAAAHAAAAAAAAAAAAAAAAAAAAAAAAAAAAAAAAAAAAf39/ACUAAABYAAAAAAAAAAAAAAAAAAAAAAAAAAAAAAAAAAAAAAAAAAAAAAAAAAAAAAAAAAAAAAA/AAAAAAAAAKCGAQAAAAAAAAAAAAAAAAAMAAAAAQAAAAAAAAAAAAAAAAAAAB8AAABUAAAAAAAABQAAAAEAAAAAAAAAAAAAAAAAAAAAAAAAAAAAAAAAAAAAAAAAAAAAAAJ/f38AAAAAA8zMzADAwP8Af39/AAAAAAAAAAAAAAAAAAAAAAAAAAAAIQAAABgAAAAUAAAAmBwAANgJAABwNQAAsCUAABAAAAAmAAAACAAAAAGAAAAAAAAA"/>
+                <pr:smNativeData xmlns:pr="smNativeData" xmlns="smNativeData" val="SMDATA_15_iunWYhMAAAAlAAAAZAAAAA0AAAAAkAAAAEgAAACQAAAASAAAAAAAAAAAAAAAAAAAAAEAAABQAAAAAAAAAAAA4D8AAAAAAADgPwAAAAAAAOA/AAAAAAAA4D8AAAAAAADgPwAAAAAAAOA/AAAAAAAA4D8AAAAAAADgPwAAAAAAAOA/AAAAAAAA4D8CAAAAjAAAAAAAAAAAAAAAT4G9DP///wgAAAAAAAAAAAAAAAAAAAAAAAAAAAAAAAAAAAAAZAAAAAEAAABAAAAAAAAAAAAAAAAAAAAAAAAAAAAAAAAAAAAAAAAAAAAAAAAAAAAAAAAAAAAAAAAAAAAAAAAAAAAAAAAAAAAAAAAAAAAAAAAAAAAAAAAAAAAAAAAAAAAAFAAAADwAAAAAAAAAAAAAAAAAAAkUAAAAAQAAABQAAAAUAAAAFAAAAAEAAAAAAAAAZAAAAGQAAAAAAAAAZAAAAGQAAAAVAAAAYAAAAAAAAAAAAAAADwAAACADAAAAAAAAAAAAAAEAAACgMgAAVgcAAKr4//8BAAAAf39/AAEAAABkAAAAAAAAABQAAABAHwAAAAAAACYAAAAAAAAAwOD//wAAAAAmAAAAZAAAABYAAABMAAAAAAAAAAAAAAAEAAAAAAAAAAEAAADu7OEKAAAAACgAAAAoAAAAZAAAAGQAAAAAAAAAzMzMAAAAAABQAAAAUAAAAGQAAABkAAAAAAAAABcAAAAUAAAAAAAAAAAAAAD/fwAA/38AAAAAAAAJAAAABAAAAAAAAAAeAAAAaAAAAAAAAAAAAAAAAAAAAAAAAAAAAAAAECcAABAnAAAAAAAAAAAAAAAAAAAAAAAAAAAAAAAAAAAAAAAAAAAAABQAAAAAAAAAwMD/AAAAAABkAAAAMgAAAAAAAABkAAAAAAAAAH9/fwAKAAAAIgAAABgAAAAAAAAAAAAAAAAAAAAAAAAAAAAAAAAAAAAkAAAAJAAAAAAAAAAHAAAAAAAAAAAAAAAAAAAAAAAAAAAAAAAAAAAAf39/ACUAAABYAAAAAAAAAAAAAAAAAAAAAAAAAAAAAAAAAAAAAAAAAAAAAAAAAAAAAAAAAAAAAAA/AAAAAAAAAKCGAQAAAAAAAAAAAAAAAAAMAAAAAQAAAAAAAAAAAAAAAAAAAB8AAABUAAAAAAAABQAAAAEAAAAAAAAAAAAAAAAAAAAAAAAAAAAAAAAAAAAAAAAAAAAAAAJ/f38AAAAAA8zMzADAwP8Af39/AAAAAAAAAAAAAAAAAAAAAAAAAAAAIQAAABgAAAAUAAAAmBwAANgJAABwNQAAsCUAABAAAAAmAAAACAAAAAGAAAAAAAAA"/>
               </a:ext>
             </a:extLst>
           </p:cNvSpPr>
@@ -1657,7 +1658,7 @@
             <a:spLocks noGrp="1" noChangeArrowheads="1"/>
             <a:extLst>
               <a:ext uri="smNativeData">
-                <pr:smNativeData xmlns:pr="smNativeData" xmlns="smNativeData" val="SMDATA_15_JtjWYhMAAAAlAAAAZAAAAA0AAAAAkAAAAEgAAACQAAAASAAAAAAAAAABAAAAAAAAAAEAAABQAAAAAAAAAAAA4D8AAAAAAADgPwAAAAAAAOA/AAAAAAAA4D8AAAAAAADgPwAAAAAAAOA/AAAAAAAA4D8AAAAAAADgPwAAAAAAAOA/AAAAAAAA4D8CAAAAjAAAAAAAAAAAAAAAT4G9DP///wgAAAAAAAAAAAAAAAAAAAAAAAAAAAAAAAAAAAAAZAAAAAEAAABAAAAAAAAAAAAAAAAAAAAAAAAAAAAAAAAAAAAAAAAAAAAAAAAAAAAAAAAAAAAAAAAAAAAAAAAAAAAAAAAAAAAAAAAAAAAAAAAAAAAAAAAAAAAAAAAAAAAAFAAAADwAAAAAAAAAAAAAAAAAAAkUAAAAAQAAABQAAAAUAAAAFAAAAAEAAAAAAAAAZAAAAGQAAAAAAAAAZAAAAGQAAAAVAAAAYAAAAAAAAAAAAAAADwAAACADAAAAAAAAAAAAAAEAAACgMgAAVgcAAKr4//8BAAAAf39/AAEAAABkAAAAAAAAABQAAABAHwAAAAAAACYAAAAAAAAAwOD//wAAAAAmAAAAZAAAABYAAABMAAAAAAAAAAAAAAAEAAAAAAAAAAEAAADu7OEKAAAAACgAAAAoAAAAZAAAAGQAAAAAAAAAzMzMAAAAAABQAAAAUAAAAGQAAABkAAAAAAAAABcAAAAUAAAAAAAAAAAAAAD/fwAA/38AAAAAAAAJAAAABAAAAFRhcmceAAAAaAAAAAAAAAAAAAAAAAAAAAAAAAAAAAAAECcAABAnAAAAAAAAAAAAAAAAAAAAAAAAAAAAAAAAAAAAAAAAAAAAABQAAAAAAAAAwMD/AAAAAABkAAAAMgAAAAAAAABkAAAAAAAAAH9/fwAKAAAAIgAAABgAAAAAAAAAAAAAAAAAAAAAAAAAAAAAAAAAAAAkAAAAJAAAAAAAAAAHAAAAAAAAAAAAAAAAAAAAAAAAAAAAAAAAAAAAf39/ACUAAABYAAAAAAAAAAAAAAAAAAAAAAAAAAAAAAAAAAAAAAAAAAAAAAAAAAAAAAAAAAAAAAA/AAAAAAAAAKCGAQAAAAAAAAAAAAAAAAAMAAAAAQAAAAAAAAAAAAAAAAAAAB8AAABUAAAAAAAABQAAAAEAAAAAAAAAAAAAAAAAAAAAAAAAAAAAAAAAAAAAAAAAAAAAAAJ/f38AAAAAA8zMzADAwP8Af39/AAAAAAAAAAAAAAAAAAAAAAAAAAAAIQAAABgAAAAUAAAA0AIAABonAADwDwAAWSkAABAAAAAmAAAACAAAAAAAAAAAAAAA"/>
+                <pr:smNativeData xmlns:pr="smNativeData" xmlns="smNativeData" val="SMDATA_15_iunWYhMAAAAlAAAAZAAAAA0AAAAAkAAAAEgAAACQAAAASAAAAAAAAAABAAAAAAAAAAEAAABQAAAAAAAAAAAA4D8AAAAAAADgPwAAAAAAAOA/AAAAAAAA4D8AAAAAAADgPwAAAAAAAOA/AAAAAAAA4D8AAAAAAADgPwAAAAAAAOA/AAAAAAAA4D8CAAAAjAAAAAAAAAAAAAAAT4G9DP///wgAAAAAAAAAAAAAAAAAAAAAAAAAAAAAAAAAAAAAZAAAAAEAAABAAAAAAAAAAAAAAAAAAAAAAAAAAAAAAAAAAAAAAAAAAAAAAAAAAAAAAAAAAAAAAAAAAAAAAAAAAAAAAAAAAAAAAAAAAAAAAAAAAAAAAAAAAAAAAAAAAAAAFAAAADwAAAAAAAAAAAAAAAAAAAkUAAAAAQAAABQAAAAUAAAAFAAAAAEAAAAAAAAAZAAAAGQAAAAAAAAAZAAAAGQAAAAVAAAAYAAAAAAAAAAAAAAADwAAACADAAAAAAAAAAAAAAEAAACgMgAAVgcAAKr4//8BAAAAf39/AAEAAABkAAAAAAAAABQAAABAHwAAAAAAACYAAAAAAAAAwOD//wAAAAAmAAAAZAAAABYAAABMAAAAAAAAAAAAAAAEAAAAAAAAAAEAAADu7OEKAAAAACgAAAAoAAAAZAAAAGQAAAAAAAAAzMzMAAAAAABQAAAAUAAAAGQAAABkAAAAAAAAABcAAAAUAAAAAAAAAAAAAAD/fwAA/38AAAAAAAAJAAAABAAAAFRhcmceAAAAaAAAAAAAAAAAAAAAAAAAAAAAAAAAAAAAECcAABAnAAAAAAAAAAAAAAAAAAAAAAAAAAAAAAAAAAAAAAAAAAAAABQAAAAAAAAAwMD/AAAAAABkAAAAMgAAAAAAAABkAAAAAAAAAH9/fwAKAAAAIgAAABgAAAAAAAAAAAAAAAAAAAAAAAAAAAAAAAAAAAAkAAAAJAAAAAAAAAAHAAAAAAAAAAAAAAAAAAAAAAAAAAAAAAAAAAAAf39/ACUAAABYAAAAAAAAAAAAAAAAAAAAAAAAAAAAAAAAAAAAAAAAAAAAAAAAAAAAAAAAAAAAAAA/AAAAAAAAAKCGAQAAAAAAAAAAAAAAAAAMAAAAAQAAAAAAAAAAAAAAAAAAAB8AAABUAAAAAAAABQAAAAEAAAAAAAAAAAAAAAAAAAAAAAAAAAAAAAAAAAAAAAAAAAAAAAJ/f38AAAAAA8zMzADAwP8Af39/AAAAAAAAAAAAAAAAAAAAAAAAAAAAIQAAABgAAAAUAAAA0AIAABonAADwDwAAWSkAABAAAAAmAAAACAAAAAAAAAAAAAAA"/>
               </a:ext>
             </a:extLst>
           </p:cNvSpPr>
@@ -1673,7 +1674,7 @@
             <a:pPr>
               <a:defRPr lang="fr-fr"/>
             </a:pPr>
-            <a:fld id="{121E8EC9-87FF-4B78-B1A6-712DC0E84724}" type="datetime1">
+            <a:fld id="{0D3FF407-49E0-6A02-AE87-BF57BAC958EA}" type="datetime1">
               <a:t>1/04/15</a:t>
             </a:fld>
           </a:p>
@@ -1686,7 +1687,7 @@
             <a:spLocks noGrp="1" noChangeArrowheads="1"/>
             <a:extLst>
               <a:ext uri="smNativeData">
-                <pr:smNativeData xmlns:pr="smNativeData" xmlns="smNativeData" val="SMDATA_15_JtjWYhMAAAAlAAAAZAAAAA0AAAAAkAAAAEgAAACQAAAASAAAAAAAAAABAAAAAAAAAAEAAABQAAAAAAAAAAAA4D8AAAAAAADgPwAAAAAAAOA/AAAAAAAA4D8AAAAAAADgPwAAAAAAAOA/AAAAAAAA4D8AAAAAAADgPwAAAAAAAOA/AAAAAAAA4D8CAAAAjAAAAAAAAAAAAAAAT4G9DP///wgAAAAAAAAAAAAAAAAAAAAAAAAAAAAAAAAAAAAAZAAAAAEAAABAAAAAAAAAAAAAAAAAAAAAAAAAAAAAAAAAAAAAAAAAAAAAAAAAAAAAAAAAAAAAAAAAAAAAAAAAAAAAAAAAAAAAAAAAAAAAAAAAAAAAAAAAAAAAAAAAAAAAFAAAADwAAAAAAAAAAAAAAAAAAAkUAAAAAQAAABQAAAAUAAAAFAAAAAEAAAAAAAAAZAAAAGQAAAAAAAAAZAAAAGQAAAAVAAAAYAAAAAAAAAAAAAAADwAAACADAAAAAAAAAAAAAAEAAACgMgAAVgcAAKr4//8BAAAAf39/AAEAAABkAAAAAAAAABQAAABAHwAAAAAAACYAAAAAAAAAwOD//wAAAAAmAAAAZAAAABYAAABMAAAAAAAAAAAAAAAEAAAAAAAAAAEAAADu7OEKAAAAACgAAAAoAAAAZAAAAGQAAAAAAAAAzMzMAAAAAABQAAAAUAAAAGQAAABkAAAAAAAAABcAAAAUAAAAAAAAAAAAAAD/fwAA/38AAAAAAAAJAAAABAAAAAAAAAAeAAAAaAAAAAAAAAAAAAAAAAAAAAAAAAAAAAAAECcAABAnAAAAAAAAAAAAAAAAAAAAAAAAAAAAAAAAAAAAAAAAAAAAABQAAAAAAAAAwMD/AAAAAABkAAAAMgAAAAAAAABkAAAAAAAAAH9/fwAKAAAAIgAAABgAAAAAAAAAAAAAAAAAAAAAAAAAAAAAAAAAAAAkAAAAJAAAAAAAAAAHAAAAAAAAAAAAAAAAAAAAAAAAAAAAAAAAAAAAf39/ACUAAABYAAAAAAAAAAAAAAAAAAAAAAAAAAAAAAAAAAAAAAAAAAAAAAAAAAAAAAAAAAAAAAA/AAAAAAAAAKCGAQAAAAAAAAAAAAAAAAAMAAAAAQAAAAAAAAAAAAAAAAAAAB8AAABUAAAAAAAABQAAAAEAAAAAAAAAAAAAAAAAAAAAAAAAAAAAAAAAAAAAAAAAAAAAAAJ/f38AAAAAA8zMzADAwP8Af39/AAAAAAAAAAAAAAAAAAAAAAAAAAAAIQAAABgAAAAUAAAAOBMAABonAAAIJQAAWSkAABAAAAAmAAAACAAAAAAAAAAAAAAA"/>
+                <pr:smNativeData xmlns:pr="smNativeData" xmlns="smNativeData" val="SMDATA_15_iunWYhMAAAAlAAAAZAAAAA0AAAAAkAAAAEgAAACQAAAASAAAAAAAAAABAAAAAAAAAAEAAABQAAAAAAAAAAAA4D8AAAAAAADgPwAAAAAAAOA/AAAAAAAA4D8AAAAAAADgPwAAAAAAAOA/AAAAAAAA4D8AAAAAAADgPwAAAAAAAOA/AAAAAAAA4D8CAAAAjAAAAAAAAAAAAAAAT4G9DP///wgAAAAAAAAAAAAAAAAAAAAAAAAAAAAAAAAAAAAAZAAAAAEAAABAAAAAAAAAAAAAAAAAAAAAAAAAAAAAAAAAAAAAAAAAAAAAAAAAAAAAAAAAAAAAAAAAAAAAAAAAAAAAAAAAAAAAAAAAAAAAAAAAAAAAAAAAAAAAAAAAAAAAFAAAADwAAAAAAAAAAAAAAAAAAAkUAAAAAQAAABQAAAAUAAAAFAAAAAEAAAAAAAAAZAAAAGQAAAAAAAAAZAAAAGQAAAAVAAAAYAAAAAAAAAAAAAAADwAAACADAAAAAAAAAAAAAAEAAACgMgAAVgcAAKr4//8BAAAAf39/AAEAAABkAAAAAAAAABQAAABAHwAAAAAAACYAAAAAAAAAwOD//wAAAAAmAAAAZAAAABYAAABMAAAAAAAAAAAAAAAEAAAAAAAAAAEAAADu7OEKAAAAACgAAAAoAAAAZAAAAGQAAAAAAAAAzMzMAAAAAABQAAAAUAAAAGQAAABkAAAAAAAAABcAAAAUAAAAAAAAAAAAAAD/fwAA/38AAAAAAAAJAAAABAAAAAAAAAAeAAAAaAAAAAAAAAAAAAAAAAAAAAAAAAAAAAAAECcAABAnAAAAAAAAAAAAAAAAAAAAAAAAAAAAAAAAAAAAAAAAAAAAABQAAAAAAAAAwMD/AAAAAABkAAAAMgAAAAAAAABkAAAAAAAAAH9/fwAKAAAAIgAAABgAAAAAAAAAAAAAAAAAAAAAAAAAAAAAAAAAAAAkAAAAJAAAAAAAAAAHAAAAAAAAAAAAAAAAAAAAAAAAAAAAAAAAAAAAf39/ACUAAABYAAAAAAAAAAAAAAAAAAAAAAAAAAAAAAAAAAAAAAAAAAAAAAAAAAAAAAAAAAAAAAA/AAAAAAAAAKCGAQAAAAAAAAAAAAAAAAAMAAAAAQAAAAAAAAAAAAAAAAAAAB8AAABUAAAAAAAABQAAAAEAAAAAAAAAAAAAAAAAAAAAAAAAAAAAAAAAAAAAAAAAAAAAAAJ/f38AAAAAA8zMzADAwP8Af39/AAAAAAAAAAAAAAAAAAAAAAAAAAAAIQAAABgAAAAUAAAAOBMAABonAAAIJQAAWSkAABAAAAAmAAAACAAAAAAAAAAAAAAA"/>
               </a:ext>
             </a:extLst>
           </p:cNvSpPr>
@@ -1712,7 +1713,7 @@
             <a:spLocks noGrp="1" noChangeArrowheads="1"/>
             <a:extLst>
               <a:ext uri="smNativeData">
-                <pr:smNativeData xmlns:pr="smNativeData" xmlns="smNativeData" val="SMDATA_15_JtjWYhMAAAAlAAAAZAAAAA0AAAAAkAAAAEgAAACQAAAASAAAAAAAAAABAAAAAAAAAAEAAABQAAAAAAAAAAAA4D8AAAAAAADgPwAAAAAAAOA/AAAAAAAA4D8AAAAAAADgPwAAAAAAAOA/AAAAAAAA4D8AAAAAAADgPwAAAAAAAOA/AAAAAAAA4D8CAAAAjAAAAAAAAAAAAAAAT4G9DP///wgAAAAAAAAAAAAAAAAAAAAAAAAAAAAAAAAAAAAAZAAAAAEAAABAAAAAAAAAAAAAAAAAAAAAAAAAAAAAAAAAAAAAAAAAAAAAAAAAAAAAAAAAAAAAAAAAAAAAAAAAAAAAAAAAAAAAAAAAAAAAAAAAAAAAAAAAAAAAAAAAAAAAFAAAADwAAAAAAAAAAAAAAAAAAAkUAAAAAQAAABQAAAAUAAAAFAAAAAEAAAAAAAAAZAAAAGQAAAAAAAAAZAAAAGQAAAAVAAAAYAAAAAAAAAAAAAAADwAAACADAAAAAAAAAAAAAAEAAACgMgAAVgcAAKr4//8BAAAAf39/AAEAAABkAAAAAAAAABQAAABAHwAAAAAAACYAAAAAAAAAwOD//wAAAAAmAAAAZAAAABYAAABMAAAAAAAAAAAAAAAEAAAAAAAAAAEAAADu7OEKAAAAACgAAAAoAAAAZAAAAGQAAAAAAAAAzMzMAAAAAABQAAAAUAAAAGQAAABkAAAAAAAAABcAAAAUAAAAAAAAAAAAAAD/fwAA/38AAAAAAAAJAAAABAAAAFRhcmceAAAAaAAAAAAAAAAAAAAAAAAAAAAAAAAAAAAAECcAABAnAAAAAAAAAAAAAAAAAAAAAAAAAAAAAAAAAAAAAAAAAAAAABQAAAAAAAAAwMD/AAAAAABkAAAAMgAAAAAAAABkAAAAAAAAAH9/fwAKAAAAIgAAABgAAAAAAAAAAAAAAAAAAAAAAAAAAAAAAAAAAAAkAAAAJAAAAAAAAAAHAAAAAAAAAAAAAAAAAAAAAAAAAAAAAAAAAAAAf39/ACUAAABYAAAAAAAAAAAAAAAAAAAAAAAAAAAAAAAAAAAAAAAAAAAAAAAAAAAAAAAAAAAAAAA/AAAAAAAAAKCGAQAAAAAAAAAAAAAAAAAMAAAAAQAAAAAAAAAAAAAAAAAAAB8AAABUAAAAAAAABQAAAAEAAAAAAAAAAAAAAAAAAAAAAAAAAAAAAAAAAAAAAAAAAAAAAAJ/f38AAAAAA8zMzADAwP8Af39/AAAAAAAAAAAAAAAAAAAAAAAAAAAAIQAAABgAAAAUAAAAUCgAABonAABwNQAAWSkAABAAAAAmAAAACAAAAAAAAAAAAAAA"/>
+                <pr:smNativeData xmlns:pr="smNativeData" xmlns="smNativeData" val="SMDATA_15_iunWYhMAAAAlAAAAZAAAAA0AAAAAkAAAAEgAAACQAAAASAAAAAAAAAABAAAAAAAAAAEAAABQAAAAAAAAAAAA4D8AAAAAAADgPwAAAAAAAOA/AAAAAAAA4D8AAAAAAADgPwAAAAAAAOA/AAAAAAAA4D8AAAAAAADgPwAAAAAAAOA/AAAAAAAA4D8CAAAAjAAAAAAAAAAAAAAAT4G9DP///wgAAAAAAAAAAAAAAAAAAAAAAAAAAAAAAAAAAAAAZAAAAAEAAABAAAAAAAAAAAAAAAAAAAAAAAAAAAAAAAAAAAAAAAAAAAAAAAAAAAAAAAAAAAAAAAAAAAAAAAAAAAAAAAAAAAAAAAAAAAAAAAAAAAAAAAAAAAAAAAAAAAAAFAAAADwAAAAAAAAAAAAAAAAAAAkUAAAAAQAAABQAAAAUAAAAFAAAAAEAAAAAAAAAZAAAAGQAAAAAAAAAZAAAAGQAAAAVAAAAYAAAAAAAAAAAAAAADwAAACADAAAAAAAAAAAAAAEAAACgMgAAVgcAAKr4//8BAAAAf39/AAEAAABkAAAAAAAAABQAAABAHwAAAAAAACYAAAAAAAAAwOD//wAAAAAmAAAAZAAAABYAAABMAAAAAAAAAAAAAAAEAAAAAAAAAAEAAADu7OEKAAAAACgAAAAoAAAAZAAAAGQAAAAAAAAAzMzMAAAAAABQAAAAUAAAAGQAAABkAAAAAAAAABcAAAAUAAAAAAAAAAAAAAD/fwAA/38AAAAAAAAJAAAABAAAAFRhcmceAAAAaAAAAAAAAAAAAAAAAAAAAAAAAAAAAAAAECcAABAnAAAAAAAAAAAAAAAAAAAAAAAAAAAAAAAAAAAAAAAAAAAAABQAAAAAAAAAwMD/AAAAAABkAAAAMgAAAAAAAABkAAAAAAAAAH9/fwAKAAAAIgAAABgAAAAAAAAAAAAAAAAAAAAAAAAAAAAAAAAAAAAkAAAAJAAAAAAAAAAHAAAAAAAAAAAAAAAAAAAAAAAAAAAAAAAAAAAAf39/ACUAAABYAAAAAAAAAAAAAAAAAAAAAAAAAAAAAAAAAAAAAAAAAAAAAAAAAAAAAAAAAAAAAAA/AAAAAAAAAKCGAQAAAAAAAAAAAAAAAAAMAAAAAQAAAAAAAAAAAAAAAAAAAB8AAABUAAAAAAAABQAAAAEAAAAAAAAAAAAAAAAAAAAAAAAAAAAAAAAAAAAAAAAAAAAAAAJ/f38AAAAAA8zMzADAwP8Af39/AAAAAAAAAAAAAAAAAAAAAAAAAAAAIQAAABgAAAAUAAAAUCgAABonAABwNQAAWSkAABAAAAAmAAAACAAAAAAAAAAAAAAA"/>
               </a:ext>
             </a:extLst>
           </p:cNvSpPr>
@@ -1728,7 +1729,7 @@
             <a:pPr>
               <a:defRPr lang="fr-fr"/>
             </a:pPr>
-            <a:fld id="{7D228C39-7790-777A-DE9A-812FC2D428D4}" type="slidenum">
+            <a:fld id="{1B26CEBF-F1F6-7338-B89E-076D80D04E52}" type="slidenum">
               <a:t>‹#›</a:t>
             </a:fld>
           </a:p>
@@ -1767,7 +1768,7 @@
             <a:spLocks noGrp="1" noChangeArrowheads="1"/>
             <a:extLst>
               <a:ext uri="smNativeData">
-                <pr:smNativeData xmlns:pr="smNativeData" xmlns="smNativeData" val="SMDATA_15_JtjWYhMAAAAlAAAAZAAAAA0AAAAAkAAAAEgAAACQAAAASAAAAAAAAAABAAAAAAAAAAEAAABQAAAAAAAAAAAA4D8AAAAAAADgPwAAAAAAAOA/AAAAAAAA4D8AAAAAAADgPwAAAAAAAOA/AAAAAAAA4D8AAAAAAADgPwAAAAAAAOA/AAAAAAAA4D8CAAAAjAAAAAAAAAAAAAAAT4G9DP///wgAAAAAAAAAAAAAAAAAAAAAAAAAAAAAAAAAAAAAZAAAAAEAAABAAAAAAAAAAAAAAAAAAAAAAAAAAAAAAAAAAAAAAAAAAAAAAAAAAAAAAAAAAAAAAAAAAAAAAAAAAAAAAAAAAAAAAAAAAAAAAAAAAAAAAAAAAAAAAAAAAAAAFAAAADwAAAAAAAAAAAAAAAAAAAkUAAAAAQAAABQAAAAUAAAAFAAAAAEAAAAAAAAAZAAAAGQAAAAAAAAAZAAAAGQAAAAVAAAAYAAAAAAAAAAAAAAADwAAACADAAAAAAAAAAAAAAEAAACgMgAAVgcAAKr4//8BAAAAf39/AAEAAABkAAAAAAAAABQAAABAHwAAAAAAACYAAAAAAAAAwOD//wAAAAAmAAAAZAAAABYAAABMAAAAAAAAAAAAAAAEAAAAAAAAAAEAAADu7OEKAAAAACgAAAAoAAAAZAAAAGQAAAAAAAAAzMzMAAAAAABQAAAAUAAAAGQAAABkAAAAAAAAABcAAAAUAAAAAAAAAAAAAAD/fwAA/38AAAAAAAAJAAAABAAAAAAAAAAeAAAAaAAAAAAAAAAAAAAAAAAAAAAAAAAAAAAAECcAABAnAAAAAAAAAAAAAAAAAAAAAAAAAAAAAAAAAAAAAAAAAAAAABQAAAAAAAAAwMD/AAAAAABkAAAAMgAAAAAAAABkAAAAAAAAAH9/fwAKAAAAIgAAABgAAAAAAAAAAAAAAAAAAAAAAAAAAAAAAAAAAAAkAAAAJAAAAAAAAAAHAAAAAAAAAAAAAAAAAAAAAAAAAAAAAAAAAAAAf39/ACUAAABYAAAAAAAAAAAAAAAAAAAAAAAAAAAAAAAAAAAAAAAAAAAAAAAAAAAAAAAAAAAAAAA/AAAAAAAAAKCGAQAAAAAAAAAAAAAAAAAMAAAAAQAAAAAAAAAAAAAAAAAAAB8AAABUAAAAAAAABQAAAAEAAAAAAAAAAAAAAAAAAAAAAAAAAAAAAAAAAAAAAAAAAAAAAAJ/f38AAAAAA8zMzADAwP8Af39/AAAAAAAAAAAAAAAAAAAAAAAAAAAAIQAAABgAAAAUAAAA0AIAALEBAABwNQAAuQgAABAAAAAmAAAACAAAAAAAAAAAAAAA"/>
+                <pr:smNativeData xmlns:pr="smNativeData" xmlns="smNativeData" val="SMDATA_15_iunWYhMAAAAlAAAAZAAAAA0AAAAAkAAAAEgAAACQAAAASAAAAAAAAAABAAAAAAAAAAEAAABQAAAAAAAAAAAA4D8AAAAAAADgPwAAAAAAAOA/AAAAAAAA4D8AAAAAAADgPwAAAAAAAOA/AAAAAAAA4D8AAAAAAADgPwAAAAAAAOA/AAAAAAAA4D8CAAAAjAAAAAAAAAAAAAAAT4G9DP///wgAAAAAAAAAAAAAAAAAAAAAAAAAAAAAAAAAAAAAZAAAAAEAAABAAAAAAAAAAAAAAAAAAAAAAAAAAAAAAAAAAAAAAAAAAAAAAAAAAAAAAAAAAAAAAAAAAAAAAAAAAAAAAAAAAAAAAAAAAAAAAAAAAAAAAAAAAAAAAAAAAAAAFAAAADwAAAAAAAAAAAAAAAAAAAkUAAAAAQAAABQAAAAUAAAAFAAAAAEAAAAAAAAAZAAAAGQAAAAAAAAAZAAAAGQAAAAVAAAAYAAAAAAAAAAAAAAADwAAACADAAAAAAAAAAAAAAEAAACgMgAAVgcAAKr4//8BAAAAf39/AAEAAABkAAAAAAAAABQAAABAHwAAAAAAACYAAAAAAAAAwOD//wAAAAAmAAAAZAAAABYAAABMAAAAAAAAAAAAAAAEAAAAAAAAAAEAAADu7OEKAAAAACgAAAAoAAAAZAAAAGQAAAAAAAAAzMzMAAAAAABQAAAAUAAAAGQAAABkAAAAAAAAABcAAAAUAAAAAAAAAAAAAAD/fwAA/38AAAAAAAAJAAAABAAAAAAAAAAeAAAAaAAAAAAAAAAAAAAAAAAAAAAAAAAAAAAAECcAABAnAAAAAAAAAAAAAAAAAAAAAAAAAAAAAAAAAAAAAAAAAAAAABQAAAAAAAAAwMD/AAAAAABkAAAAMgAAAAAAAABkAAAAAAAAAH9/fwAKAAAAIgAAABgAAAAAAAAAAAAAAAAAAAAAAAAAAAAAAAAAAAAkAAAAJAAAAAAAAAAHAAAAAAAAAAAAAAAAAAAAAAAAAAAAAAAAAAAAf39/ACUAAABYAAAAAAAAAAAAAAAAAAAAAAAAAAAAAAAAAAAAAAAAAAAAAAAAAAAAAAAAAAAAAAA/AAAAAAAAAKCGAQAAAAAAAAAAAAAAAAAMAAAAAQAAAAAAAAAAAAAAAAAAAB8AAABUAAAAAAAABQAAAAEAAAAAAAAAAAAAAAAAAAAAAAAAAAAAAAAAAAAAAAAAAAAAAAJ/f38AAAAAA8zMzADAwP8Af39/AAAAAAAAAAAAAAAAAAAAAAAAAAAAIQAAABgAAAAUAAAA0AIAALEBAABwNQAAuQgAABAAAAAmAAAACAAAAAAAAAAAAAAA"/>
               </a:ext>
             </a:extLst>
           </p:cNvSpPr>
@@ -1796,7 +1797,7 @@
             <a:spLocks noGrp="1" noChangeArrowheads="1"/>
             <a:extLst>
               <a:ext uri="smNativeData">
-                <pr:smNativeData xmlns:pr="smNativeData" xmlns="smNativeData" val="SMDATA_15_JtjWYhMAAAAlAAAAZAAAAA0AAAAAkAAAAEgAAACQAAAASAAAAAAAAAACAAAAAAAAAAEAAABQAAAAAAAAAAAA4D8AAAAAAADgPwAAAAAAAOA/AAAAAAAA4D8AAAAAAADgPwAAAAAAAOA/AAAAAAAA4D8AAAAAAADgPwAAAAAAAOA/AAAAAAAA4D8CAAAAjAAAAAAAAAAAAAAAT4G9DP///wgAAAAAAAAAAAAAAAAAAAAAAAAAAAAAAAAAAAAAZAAAAAEAAABAAAAAAAAAAAAAAAAAAAAAAAAAAAAAAAAAAAAAAAAAAAAAAAAAAAAAAAAAAAAAAAAAAAAAAAAAAAAAAAAAAAAAAAAAAAAAAAAAAAAAAAAAAAAAAAAAAAAAFAAAADwAAAAAAAAAAAAAAAAAAAkUAAAAAQAAABQAAAAUAAAAFAAAAAEAAAAAAAAAZAAAAGQAAAAAAAAAZAAAAGQAAAAVAAAAYAAAAAAAAAAAAAAADwAAACADAAAAAAAAAAAAAAEAAACgMgAAVgcAAKr4//8BAAAAf39/AAEAAABkAAAAAAAAABQAAABAHwAAAAAAACYAAAAAAAAAwOD//wAAAAAmAAAAZAAAABYAAABMAAAAAAAAAAAAAAAEAAAAAAAAAAEAAADu7OEKAAAAACgAAAAoAAAAZAAAAGQAAAAAAAAAzMzMAAAAAABQAAAAUAAAAGQAAABkAAAAAAAAABcAAAAUAAAAAAAAAAAAAAD/fwAA/38AAAAAAAAJAAAABAAAAFRhcmceAAAAaAAAAAAAAAAAAAAAAAAAAAAAAAAAAAAAECcAABAnAAAAAAAAAAAAAAAAAAAAAAAAAAAAAAAAAAAAAAAAAAAAABQAAAAAAAAAwMD/AAAAAABkAAAAMgAAAAAAAABkAAAAAAAAAH9/fwAKAAAAIgAAABgAAAAAAAAAAAAAAAAAAAAAAAAAAAAAAAAAAAAkAAAAJAAAAAAAAAAHAAAAAAAAAAAAAAAAAAAAAAAAAAAAAAAAAAAAf39/ACUAAABYAAAAAAAAAAAAAAAAAAAAAAAAAAAAAAAAAAAAAAAAAAAAAAAAAAAAAAAAAAAAAAA/AAAAAAAAAKCGAQAAAAAAAAAAAAAAAAAMAAAAAQAAAAAAAAAAAAAAAAAAAB8AAABUAAAAAAAABQAAAAEAAAAAAAAAAAAAAAAAAAAAAAAAAAAAAAAAAAAAAAAAAAAAAAJ/f38AAAAAA8zMzADAwP8Af39/AAAAAAAAAAAAAAAAAAAAAAAAAAAAIQAAABgAAAAUAAAA0AIAAHIJAACrGwAAYQ0AABAAAAAmAAAACAAAAIGAAAAAAAAA"/>
+                <pr:smNativeData xmlns:pr="smNativeData" xmlns="smNativeData" val="SMDATA_15_iunWYhMAAAAlAAAAZAAAAA0AAAAAkAAAAEgAAACQAAAASAAAAAAAAAACAAAAAAAAAAEAAABQAAAAAAAAAAAA4D8AAAAAAADgPwAAAAAAAOA/AAAAAAAA4D8AAAAAAADgPwAAAAAAAOA/AAAAAAAA4D8AAAAAAADgPwAAAAAAAOA/AAAAAAAA4D8CAAAAjAAAAAAAAAAAAAAAT4G9DP///wgAAAAAAAAAAAAAAAAAAAAAAAAAAAAAAAAAAAAAZAAAAAEAAABAAAAAAAAAAAAAAAAAAAAAAAAAAAAAAAAAAAAAAAAAAAAAAAAAAAAAAAAAAAAAAAAAAAAAAAAAAAAAAAAAAAAAAAAAAAAAAAAAAAAAAAAAAAAAAAAAAAAAFAAAADwAAAAAAAAAAAAAAAAAAAkUAAAAAQAAABQAAAAUAAAAFAAAAAEAAAAAAAAAZAAAAGQAAAAAAAAAZAAAAGQAAAAVAAAAYAAAAAAAAAAAAAAADwAAACADAAAAAAAAAAAAAAEAAACgMgAAVgcAAKr4//8BAAAAf39/AAEAAABkAAAAAAAAABQAAABAHwAAAAAAACYAAAAAAAAAwOD//wAAAAAmAAAAZAAAABYAAABMAAAAAAAAAAAAAAAEAAAAAAAAAAEAAADu7OEKAAAAACgAAAAoAAAAZAAAAGQAAAAAAAAAzMzMAAAAAABQAAAAUAAAAGQAAABkAAAAAAAAABcAAAAUAAAAAAAAAAAAAAD/fwAA/38AAAAAAAAJAAAABAAAAFRhcmceAAAAaAAAAAAAAAAAAAAAAAAAAAAAAAAAAAAAECcAABAnAAAAAAAAAAAAAAAAAAAAAAAAAAAAAAAAAAAAAAAAAAAAABQAAAAAAAAAwMD/AAAAAABkAAAAMgAAAAAAAABkAAAAAAAAAH9/fwAKAAAAIgAAABgAAAAAAAAAAAAAAAAAAAAAAAAAAAAAAAAAAAAkAAAAJAAAAAAAAAAHAAAAAAAAAAAAAAAAAAAAAAAAAAAAAAAAAAAAf39/ACUAAABYAAAAAAAAAAAAAAAAAAAAAAAAAAAAAAAAAAAAAAAAAAAAAAAAAAAAAAAAAAAAAAA/AAAAAAAAAKCGAQAAAAAAAAAAAAAAAAAMAAAAAQAAAAAAAAAAAAAAAAAAAB8AAABUAAAAAAAABQAAAAEAAAAAAAAAAAAAAAAAAAAAAAAAAAAAAAAAAAAAAAAAAAAAAAJ/f38AAAAAA8zMzADAwP8Af39/AAAAAAAAAAAAAAAAAAAAAAAAAAAAIQAAABgAAAAUAAAA0AIAAHIJAACrGwAAYQ0AABAAAAAmAAAACAAAAIGAAAAAAAAA"/>
               </a:ext>
             </a:extLst>
           </p:cNvSpPr>
@@ -1871,7 +1872,7 @@
             <a:spLocks noGrp="1" noChangeArrowheads="1"/>
             <a:extLst>
               <a:ext uri="smNativeData">
-                <pr:smNativeData xmlns:pr="smNativeData" xmlns="smNativeData" val="SMDATA_15_JtjWYhMAAAAlAAAAZAAAAA0AAAAAkAAAAEgAAACQAAAASAAAAAAAAAAAAAAAAAAAAAEAAABQAAAAAAAAAAAA4D8AAAAAAADgPwAAAAAAAOA/AAAAAAAA4D8AAAAAAADgPwAAAAAAAOA/AAAAAAAA4D8AAAAAAADgPwAAAAAAAOA/AAAAAAAA4D8CAAAAjAAAAAAAAAAAAAAAT4G9DP///wgAAAAAAAAAAAAAAAAAAAAAAAAAAAAAAAAAAAAAZAAAAAEAAABAAAAAAAAAAAAAAAAAAAAAAAAAAAAAAAAAAAAAAAAAAAAAAAAAAAAAAAAAAAAAAAAAAAAAAAAAAAAAAAAAAAAAAAAAAAAAAAAAAAAAAAAAAAAAAAAAAAAAFAAAADwAAAAAAAAAAAAAAAAAAAkUAAAAAQAAABQAAAAUAAAAFAAAAAEAAAAAAAAAZAAAAGQAAAAAAAAAZAAAAGQAAAAVAAAAYAAAAAAAAAAAAAAADwAAACADAAAAAAAAAAAAAAEAAACgMgAAVgcAAKr4//8BAAAAf39/AAEAAABkAAAAAAAAABQAAABAHwAAAAAAACYAAAAAAAAAwOD//wAAAAAmAAAAZAAAABYAAABMAAAAAAAAAAAAAAAEAAAAAAAAAAEAAADu7OEKAAAAACgAAAAoAAAAZAAAAGQAAAAAAAAAzMzMAAAAAABQAAAAUAAAAGQAAABkAAAAAAAAABcAAAAUAAAAAAAAAAAAAAD/fwAA/38AAAAAAAAJAAAABAAAAAAAAAAeAAAAaAAAAAAAAAAAAAAAAAAAAAAAAAAAAAAAECcAABAnAAAAAAAAAAAAAAAAAAAAAAAAAAAAAAAAAAAAAAAAAAAAABQAAAAAAAAAwMD/AAAAAABkAAAAMgAAAAAAAABkAAAAAAAAAH9/fwAKAAAAIgAAABgAAAAAAAAAAAAAAAAAAAAAAAAAAAAAAAAAAAAkAAAAJAAAAAAAAAAHAAAAAAAAAAAAAAAAAAAAAAAAAAAAAAAAAAAAf39/ACUAAABYAAAAAAAAAAAAAAAAAAAAAAAAAAAAAAAAAAAAAAAAAAAAAAAAAAAAAAAAAAAAAAA/AAAAAAAAAKCGAQAAAAAAAAAAAAAAAAAMAAAAAQAAAAAAAAAAAAAAAAAAAB8AAABUAAAAAAAABQAAAAEAAAAAAAAAAAAAAAAAAAAAAAAAAAAAAAAAAAAAAAAAAAAAAAJ/f38AAAAAA8zMzADAwP8Af39/AAAAAAAAAAAAAAAAAAAAAAAAAAAAIQAAABgAAAAUAAAA0AIAAGENAACrGwAAsCUAABAAAAAmAAAACAAAAAGAAAAAAAAA"/>
+                <pr:smNativeData xmlns:pr="smNativeData" xmlns="smNativeData" val="SMDATA_15_iunWYhMAAAAlAAAAZAAAAA0AAAAAkAAAAEgAAACQAAAASAAAAAAAAAAAAAAAAAAAAAEAAABQAAAAAAAAAAAA4D8AAAAAAADgPwAAAAAAAOA/AAAAAAAA4D8AAAAAAADgPwAAAAAAAOA/AAAAAAAA4D8AAAAAAADgPwAAAAAAAOA/AAAAAAAA4D8CAAAAjAAAAAAAAAAAAAAAT4G9DP///wgAAAAAAAAAAAAAAAAAAAAAAAAAAAAAAAAAAAAAZAAAAAEAAABAAAAAAAAAAAAAAAAAAAAAAAAAAAAAAAAAAAAAAAAAAAAAAAAAAAAAAAAAAAAAAAAAAAAAAAAAAAAAAAAAAAAAAAAAAAAAAAAAAAAAAAAAAAAAAAAAAAAAFAAAADwAAAAAAAAAAAAAAAAAAAkUAAAAAQAAABQAAAAUAAAAFAAAAAEAAAAAAAAAZAAAAGQAAAAAAAAAZAAAAGQAAAAVAAAAYAAAAAAAAAAAAAAADwAAACADAAAAAAAAAAAAAAEAAACgMgAAVgcAAKr4//8BAAAAf39/AAEAAABkAAAAAAAAABQAAABAHwAAAAAAACYAAAAAAAAAwOD//wAAAAAmAAAAZAAAABYAAABMAAAAAAAAAAAAAAAEAAAAAAAAAAEAAADu7OEKAAAAACgAAAAoAAAAZAAAAGQAAAAAAAAAzMzMAAAAAABQAAAAUAAAAGQAAABkAAAAAAAAABcAAAAUAAAAAAAAAAAAAAD/fwAA/38AAAAAAAAJAAAABAAAAAAAAAAeAAAAaAAAAAAAAAAAAAAAAAAAAAAAAAAAAAAAECcAABAnAAAAAAAAAAAAAAAAAAAAAAAAAAAAAAAAAAAAAAAAAAAAABQAAAAAAAAAwMD/AAAAAABkAAAAMgAAAAAAAABkAAAAAAAAAH9/fwAKAAAAIgAAABgAAAAAAAAAAAAAAAAAAAAAAAAAAAAAAAAAAAAkAAAAJAAAAAAAAAAHAAAAAAAAAAAAAAAAAAAAAAAAAAAAAAAAAAAAf39/ACUAAABYAAAAAAAAAAAAAAAAAAAAAAAAAAAAAAAAAAAAAAAAAAAAAAAAAAAAAAAAAAAAAAA/AAAAAAAAAKCGAQAAAAAAAAAAAAAAAAAMAAAAAQAAAAAAAAAAAAAAAAAAAB8AAABUAAAAAAAABQAAAAEAAAAAAAAAAAAAAAAAAAAAAAAAAAAAAAAAAAAAAAAAAAAAAAJ/f38AAAAAA8zMzADAwP8Af39/AAAAAAAAAAAAAAAAAAAAAAAAAAAAIQAAABgAAAAUAAAA0AIAAGENAACrGwAAsCUAABAAAAAmAAAACAAAAAGAAAAAAAAA"/>
               </a:ext>
             </a:extLst>
           </p:cNvSpPr>
@@ -1965,7 +1966,7 @@
             <a:spLocks noGrp="1" noChangeArrowheads="1"/>
             <a:extLst>
               <a:ext uri="smNativeData">
-                <pr:smNativeData xmlns:pr="smNativeData" xmlns="smNativeData" val="SMDATA_15_JtjWYhMAAAAlAAAAZAAAAA0AAAAAkAAAAEgAAACQAAAASAAAAAAAAAACAAAAAAAAAAEAAABQAAAAAAAAAAAA4D8AAAAAAADgPwAAAAAAAOA/AAAAAAAA4D8AAAAAAADgPwAAAAAAAOA/AAAAAAAA4D8AAAAAAADgPwAAAAAAAOA/AAAAAAAA4D8CAAAAjAAAAAAAAAAAAAAAT4G9DP///wgAAAAAAAAAAAAAAAAAAAAAAAAAAAAAAAAAAAAAZAAAAAEAAABAAAAAAAAAAAAAAAAAAAAAAAAAAAAAAAAAAAAAAAAAAAAAAAAAAAAAAAAAAAAAAAAAAAAAAAAAAAAAAAAAAAAAAAAAAAAAAAAAAAAAAAAAAAAAAAAAAAAAFAAAADwAAAAAAAAAAAAAAAAAAAkUAAAAAQAAABQAAAAUAAAAFAAAAAEAAAAAAAAAZAAAAGQAAAAAAAAAZAAAAGQAAAAVAAAAYAAAAAAAAAAAAAAADwAAACADAAAAAAAAAAAAAAEAAACgMgAAVgcAAKr4//8BAAAAf39/AAEAAABkAAAAAAAAABQAAABAHwAAAAAAACYAAAAAAAAAwOD//wAAAAAmAAAAZAAAABYAAABMAAAAAAAAAAAAAAAEAAAAAAAAAAEAAADu7OEKAAAAACgAAAAoAAAAZAAAAGQAAAAAAAAAzMzMAAAAAABQAAAAUAAAAGQAAABkAAAAAAAAABcAAAAUAAAAAAAAAAAAAAD/fwAA/38AAAAAAAAJAAAABAAAAFRhcmceAAAAaAAAAAAAAAAAAAAAAAAAAAAAAAAAAAAAECcAABAnAAAAAAAAAAAAAAAAAAAAAAAAAAAAAAAAAAAAAAAAAAAAABQAAAAAAAAAwMD/AAAAAABkAAAAMgAAAAAAAABkAAAAAAAAAH9/fwAKAAAAIgAAABgAAAAAAAAAAAAAAAAAAAAAAAAAAAAAAAAAAAAkAAAAJAAAAAAAAAAHAAAAAAAAAAAAAAAAAAAAAAAAAAAAAAAAAAAAf39/ACUAAABYAAAAAAAAAAAAAAAAAAAAAAAAAAAAAAAAAAAAAAAAAAAAAAAAAAAAAAAAAAAAAAA/AAAAAAAAAKCGAQAAAAAAAAAAAAAAAAAMAAAAAQAAAAAAAAAAAAAAAAAAAB8AAABUAAAAAAAABQAAAAEAAAAAAAAAAAAAAAAAAAAAAAAAAAAAAAAAAAAAAAAAAAAAAAJ/f38AAAAAA8zMzADAwP8Af39/AAAAAAAAAAAAAAAAAAAAAAAAAAAAIQAAABgAAAAUAAAAkxwAAHIJAABwNQAAYQ0AABAAAAAmAAAACAAAAIGAAAAAAAAA"/>
+                <pr:smNativeData xmlns:pr="smNativeData" xmlns="smNativeData" val="SMDATA_15_iunWYhMAAAAlAAAAZAAAAA0AAAAAkAAAAEgAAACQAAAASAAAAAAAAAACAAAAAAAAAAEAAABQAAAAAAAAAAAA4D8AAAAAAADgPwAAAAAAAOA/AAAAAAAA4D8AAAAAAADgPwAAAAAAAOA/AAAAAAAA4D8AAAAAAADgPwAAAAAAAOA/AAAAAAAA4D8CAAAAjAAAAAAAAAAAAAAAT4G9DP///wgAAAAAAAAAAAAAAAAAAAAAAAAAAAAAAAAAAAAAZAAAAAEAAABAAAAAAAAAAAAAAAAAAAAAAAAAAAAAAAAAAAAAAAAAAAAAAAAAAAAAAAAAAAAAAAAAAAAAAAAAAAAAAAAAAAAAAAAAAAAAAAAAAAAAAAAAAAAAAAAAAAAAFAAAADwAAAAAAAAAAAAAAAAAAAkUAAAAAQAAABQAAAAUAAAAFAAAAAEAAAAAAAAAZAAAAGQAAAAAAAAAZAAAAGQAAAAVAAAAYAAAAAAAAAAAAAAADwAAACADAAAAAAAAAAAAAAEAAACgMgAAVgcAAKr4//8BAAAAf39/AAEAAABkAAAAAAAAABQAAABAHwAAAAAAACYAAAAAAAAAwOD//wAAAAAmAAAAZAAAABYAAABMAAAAAAAAAAAAAAAEAAAAAAAAAAEAAADu7OEKAAAAACgAAAAoAAAAZAAAAGQAAAAAAAAAzMzMAAAAAABQAAAAUAAAAGQAAABkAAAAAAAAABcAAAAUAAAAAAAAAAAAAAD/fwAA/38AAAAAAAAJAAAABAAAAFRhcmceAAAAaAAAAAAAAAAAAAAAAAAAAAAAAAAAAAAAECcAABAnAAAAAAAAAAAAAAAAAAAAAAAAAAAAAAAAAAAAAAAAAAAAABQAAAAAAAAAwMD/AAAAAABkAAAAMgAAAAAAAABkAAAAAAAAAH9/fwAKAAAAIgAAABgAAAAAAAAAAAAAAAAAAAAAAAAAAAAAAAAAAAAkAAAAJAAAAAAAAAAHAAAAAAAAAAAAAAAAAAAAAAAAAAAAAAAAAAAAf39/ACUAAABYAAAAAAAAAAAAAAAAAAAAAAAAAAAAAAAAAAAAAAAAAAAAAAAAAAAAAAAAAAAAAAA/AAAAAAAAAKCGAQAAAAAAAAAAAAAAAAAMAAAAAQAAAAAAAAAAAAAAAAAAAB8AAABUAAAAAAAABQAAAAEAAAAAAAAAAAAAAAAAAAAAAAAAAAAAAAAAAAAAAAAAAAAAAAJ/f38AAAAAA8zMzADAwP8Af39/AAAAAAAAAAAAAAAAAAAAAAAAAAAAIQAAABgAAAAUAAAAkxwAAHIJAABwNQAAYQ0AABAAAAAmAAAACAAAAIGAAAAAAAAA"/>
               </a:ext>
             </a:extLst>
           </p:cNvSpPr>
@@ -2040,7 +2041,7 @@
             <a:spLocks noGrp="1" noChangeArrowheads="1"/>
             <a:extLst>
               <a:ext uri="smNativeData">
-                <pr:smNativeData xmlns:pr="smNativeData" xmlns="smNativeData" val="SMDATA_15_JtjWYhMAAAAlAAAAZAAAAA0AAAAAkAAAAEgAAACQAAAASAAAAAAAAAAAAAAAAAAAAAEAAABQAAAAAAAAAAAA4D8AAAAAAADgPwAAAAAAAOA/AAAAAAAA4D8AAAAAAADgPwAAAAAAAOA/AAAAAAAA4D8AAAAAAADgPwAAAAAAAOA/AAAAAAAA4D8CAAAAjAAAAAAAAAAAAAAAT4G9DP///wgAAAAAAAAAAAAAAAAAAAAAAAAAAAAAAAAAAAAAZAAAAAEAAABAAAAAAAAAAAAAAAAAAAAAAAAAAAAAAAAAAAAAAAAAAAAAAAAAAAAAAAAAAAAAAAAAAAAAAAAAAAAAAAAAAAAAAAAAAAAAAAAAAAAAAAAAAAAAAAAAAAAAFAAAADwAAAAAAAAAAAAAAAAAAAkUAAAAAQAAABQAAAAUAAAAFAAAAAEAAAAAAAAAZAAAAGQAAAAAAAAAZAAAAGQAAAAVAAAAYAAAAAAAAAAAAAAADwAAACADAAAAAAAAAAAAAAEAAACgMgAAVgcAAKr4//8BAAAAf39/AAEAAABkAAAAAAAAABQAAABAHwAAAAAAACYAAAAAAAAAwOD//wAAAAAmAAAAZAAAABYAAABMAAAAAAAAAAAAAAAEAAAAAAAAAAEAAADu7OEKAAAAACgAAAAoAAAAZAAAAGQAAAAAAAAAzMzMAAAAAABQAAAAUAAAAGQAAABkAAAAAAAAABcAAAAUAAAAAAAAAAAAAAD/fwAA/38AAAAAAAAJAAAABAAAAAAAAAAeAAAAaAAAAAAAAAAAAAAAAAAAAAAAAAAAAAAAECcAABAnAAAAAAAAAAAAAAAAAAAAAAAAAAAAAAAAAAAAAAAAAAAAABQAAAAAAAAAwMD/AAAAAABkAAAAMgAAAAAAAABkAAAAAAAAAH9/fwAKAAAAIgAAABgAAAAAAAAAAAAAAAAAAAAAAAAAAAAAAAAAAAAkAAAAJAAAAAAAAAAHAAAAAAAAAAAAAAAAAAAAAAAAAAAAAAAAAAAAf39/ACUAAABYAAAAAAAAAAAAAAAAAAAAAAAAAAAAAAAAAAAAAAAAAAAAAAAAAAAAAAAAAAAAAAA/AAAAAAAAAKCGAQAAAAAAAAAAAAAAAAAMAAAAAQAAAAAAAAAAAAAAAAAAAB8AAABUAAAAAAAABQAAAAEAAAAAAAAAAAAAAAAAAAAAAAAAAAAAAAAAAAAAAAAAAAAAAAJ/f38AAAAAA8zMzADAwP8Af39/AAAAAAAAAAAAAAAAAAAAAAAAAAAAIQAAABgAAAAUAAAAkxwAAGENAABwNQAAsCUAABAAAAAmAAAACAAAAAGAAAAAAAAA"/>
+                <pr:smNativeData xmlns:pr="smNativeData" xmlns="smNativeData" val="SMDATA_15_iunWYhMAAAAlAAAAZAAAAA0AAAAAkAAAAEgAAACQAAAASAAAAAAAAAAAAAAAAAAAAAEAAABQAAAAAAAAAAAA4D8AAAAAAADgPwAAAAAAAOA/AAAAAAAA4D8AAAAAAADgPwAAAAAAAOA/AAAAAAAA4D8AAAAAAADgPwAAAAAAAOA/AAAAAAAA4D8CAAAAjAAAAAAAAAAAAAAAT4G9DP///wgAAAAAAAAAAAAAAAAAAAAAAAAAAAAAAAAAAAAAZAAAAAEAAABAAAAAAAAAAAAAAAAAAAAAAAAAAAAAAAAAAAAAAAAAAAAAAAAAAAAAAAAAAAAAAAAAAAAAAAAAAAAAAAAAAAAAAAAAAAAAAAAAAAAAAAAAAAAAAAAAAAAAFAAAADwAAAAAAAAAAAAAAAAAAAkUAAAAAQAAABQAAAAUAAAAFAAAAAEAAAAAAAAAZAAAAGQAAAAAAAAAZAAAAGQAAAAVAAAAYAAAAAAAAAAAAAAADwAAACADAAAAAAAAAAAAAAEAAACgMgAAVgcAAKr4//8BAAAAf39/AAEAAABkAAAAAAAAABQAAABAHwAAAAAAACYAAAAAAAAAwOD//wAAAAAmAAAAZAAAABYAAABMAAAAAAAAAAAAAAAEAAAAAAAAAAEAAADu7OEKAAAAACgAAAAoAAAAZAAAAGQAAAAAAAAAzMzMAAAAAABQAAAAUAAAAGQAAABkAAAAAAAAABcAAAAUAAAAAAAAAAAAAAD/fwAA/38AAAAAAAAJAAAABAAAAAAAAAAeAAAAaAAAAAAAAAAAAAAAAAAAAAAAAAAAAAAAECcAABAnAAAAAAAAAAAAAAAAAAAAAAAAAAAAAAAAAAAAAAAAAAAAABQAAAAAAAAAwMD/AAAAAABkAAAAMgAAAAAAAABkAAAAAAAAAH9/fwAKAAAAIgAAABgAAAAAAAAAAAAAAAAAAAAAAAAAAAAAAAAAAAAkAAAAJAAAAAAAAAAHAAAAAAAAAAAAAAAAAAAAAAAAAAAAAAAAAAAAf39/ACUAAABYAAAAAAAAAAAAAAAAAAAAAAAAAAAAAAAAAAAAAAAAAAAAAAAAAAAAAAAAAAAAAAA/AAAAAAAAAKCGAQAAAAAAAAAAAAAAAAAMAAAAAQAAAAAAAAAAAAAAAAAAAB8AAABUAAAAAAAABQAAAAEAAAAAAAAAAAAAAAAAAAAAAAAAAAAAAAAAAAAAAAAAAAAAAAJ/f38AAAAAA8zMzADAwP8Af39/AAAAAAAAAAAAAAAAAAAAAAAAAAAAIQAAABgAAAAUAAAAkxwAAGENAABwNQAAsCUAABAAAAAmAAAACAAAAAGAAAAAAAAA"/>
               </a:ext>
             </a:extLst>
           </p:cNvSpPr>
@@ -2134,7 +2135,7 @@
             <a:spLocks noGrp="1" noChangeArrowheads="1"/>
             <a:extLst>
               <a:ext uri="smNativeData">
-                <pr:smNativeData xmlns:pr="smNativeData" xmlns="smNativeData" val="SMDATA_15_JtjWYhMAAAAlAAAAZAAAAA0AAAAAkAAAAEgAAACQAAAASAAAAAAAAAABAAAAAAAAAAEAAABQAAAAAAAAAAAA4D8AAAAAAADgPwAAAAAAAOA/AAAAAAAA4D8AAAAAAADgPwAAAAAAAOA/AAAAAAAA4D8AAAAAAADgPwAAAAAAAOA/AAAAAAAA4D8CAAAAjAAAAAAAAAAAAAAAT4G9DP///wgAAAAAAAAAAAAAAAAAAAAAAAAAAAAAAAAAAAAAZAAAAAEAAABAAAAAAAAAAAAAAAAAAAAAAAAAAAAAAAAAAAAAAAAAAAAAAAAAAAAAAAAAAAAAAAAAAAAAAAAAAAAAAAAAAAAAAAAAAAAAAAAAAAAAAAAAAAAAAAAAAAAAFAAAADwAAAAAAAAAAAAAAAAAAAkUAAAAAQAAABQAAAAUAAAAFAAAAAEAAAAAAAAAZAAAAGQAAAAAAAAAZAAAAGQAAAAVAAAAYAAAAAAAAAAAAAAADwAAACADAAAAAAAAAAAAAAEAAACgMgAAVgcAAKr4//8BAAAAf39/AAEAAABkAAAAAAAAABQAAABAHwAAAAAAACYAAAAAAAAAwOD//wAAAAAmAAAAZAAAABYAAABMAAAAAAAAAAAAAAAEAAAAAAAAAAEAAADu7OEKAAAAACgAAAAoAAAAZAAAAGQAAAAAAAAAzMzMAAAAAABQAAAAUAAAAGQAAABkAAAAAAAAABcAAAAUAAAAAAAAAAAAAAD/fwAA/38AAAAAAAAJAAAABAAAAFRhcmceAAAAaAAAAAAAAAAAAAAAAAAAAAAAAAAAAAAAECcAABAnAAAAAAAAAAAAAAAAAAAAAAAAAAAAAAAAAAAAAAAAAAAAABQAAAAAAAAAwMD/AAAAAABkAAAAMgAAAAAAAABkAAAAAAAAAH9/fwAKAAAAIgAAABgAAAAAAAAAAAAAAAAAAAAAAAAAAAAAAAAAAAAkAAAAJAAAAAAAAAAHAAAAAAAAAAAAAAAAAAAAAAAAAAAAAAAAAAAAf39/ACUAAABYAAAAAAAAAAAAAAAAAAAAAAAAAAAAAAAAAAAAAAAAAAAAAAAAAAAAAAAAAAAAAAA/AAAAAAAAAKCGAQAAAAAAAAAAAAAAAAAMAAAAAQAAAAAAAAAAAAAAAAAAAB8AAABUAAAAAAAABQAAAAEAAAAAAAAAAAAAAAAAAAAAAAAAAAAAAAAAAAAAAAAAAAAAAAJ/f38AAAAAA8zMzADAwP8Af39/AAAAAAAAAAAAAAAAAAAAAAAAAAAAIQAAABgAAAAUAAAA0AIAABonAADwDwAAWSkAABAAAAAmAAAACAAAAAAAAAAAAAAA"/>
+                <pr:smNativeData xmlns:pr="smNativeData" xmlns="smNativeData" val="SMDATA_15_iunWYhMAAAAlAAAAZAAAAA0AAAAAkAAAAEgAAACQAAAASAAAAAAAAAABAAAAAAAAAAEAAABQAAAAAAAAAAAA4D8AAAAAAADgPwAAAAAAAOA/AAAAAAAA4D8AAAAAAADgPwAAAAAAAOA/AAAAAAAA4D8AAAAAAADgPwAAAAAAAOA/AAAAAAAA4D8CAAAAjAAAAAAAAAAAAAAAT4G9DP///wgAAAAAAAAAAAAAAAAAAAAAAAAAAAAAAAAAAAAAZAAAAAEAAABAAAAAAAAAAAAAAAAAAAAAAAAAAAAAAAAAAAAAAAAAAAAAAAAAAAAAAAAAAAAAAAAAAAAAAAAAAAAAAAAAAAAAAAAAAAAAAAAAAAAAAAAAAAAAAAAAAAAAFAAAADwAAAAAAAAAAAAAAAAAAAkUAAAAAQAAABQAAAAUAAAAFAAAAAEAAAAAAAAAZAAAAGQAAAAAAAAAZAAAAGQAAAAVAAAAYAAAAAAAAAAAAAAADwAAACADAAAAAAAAAAAAAAEAAACgMgAAVgcAAKr4//8BAAAAf39/AAEAAABkAAAAAAAAABQAAABAHwAAAAAAACYAAAAAAAAAwOD//wAAAAAmAAAAZAAAABYAAABMAAAAAAAAAAAAAAAEAAAAAAAAAAEAAADu7OEKAAAAACgAAAAoAAAAZAAAAGQAAAAAAAAAzMzMAAAAAABQAAAAUAAAAGQAAABkAAAAAAAAABcAAAAUAAAAAAAAAAAAAAD/fwAA/38AAAAAAAAJAAAABAAAAFRhcmceAAAAaAAAAAAAAAAAAAAAAAAAAAAAAAAAAAAAECcAABAnAAAAAAAAAAAAAAAAAAAAAAAAAAAAAAAAAAAAAAAAAAAAABQAAAAAAAAAwMD/AAAAAABkAAAAMgAAAAAAAABkAAAAAAAAAH9/fwAKAAAAIgAAABgAAAAAAAAAAAAAAAAAAAAAAAAAAAAAAAAAAAAkAAAAJAAAAAAAAAAHAAAAAAAAAAAAAAAAAAAAAAAAAAAAAAAAAAAAf39/ACUAAABYAAAAAAAAAAAAAAAAAAAAAAAAAAAAAAAAAAAAAAAAAAAAAAAAAAAAAAAAAAAAAAA/AAAAAAAAAKCGAQAAAAAAAAAAAAAAAAAMAAAAAQAAAAAAAAAAAAAAAAAAAB8AAABUAAAAAAAABQAAAAEAAAAAAAAAAAAAAAAAAAAAAAAAAAAAAAAAAAAAAAAAAAAAAAJ/f38AAAAAA8zMzADAwP8Af39/AAAAAAAAAAAAAAAAAAAAAAAAAAAAIQAAABgAAAAUAAAA0AIAABonAADwDwAAWSkAABAAAAAmAAAACAAAAAAAAAAAAAAA"/>
               </a:ext>
             </a:extLst>
           </p:cNvSpPr>
@@ -2150,7 +2151,7 @@
             <a:pPr>
               <a:defRPr lang="fr-fr"/>
             </a:pPr>
-            <a:fld id="{12830F22-6CFF-D6F9-B13B-9AAC417547CF}" type="datetime1">
+            <a:fld id="{09807488-C6E4-D582-AA38-30D73A765C65}" type="datetime1">
               <a:t>1/04/15</a:t>
             </a:fld>
           </a:p>
@@ -2163,7 +2164,7 @@
             <a:spLocks noGrp="1" noChangeArrowheads="1"/>
             <a:extLst>
               <a:ext uri="smNativeData">
-                <pr:smNativeData xmlns:pr="smNativeData" xmlns="smNativeData" val="SMDATA_15_JtjWYhMAAAAlAAAAZAAAAA0AAAAAkAAAAEgAAACQAAAASAAAAAAAAAABAAAAAAAAAAEAAABQAAAAAAAAAAAA4D8AAAAAAADgPwAAAAAAAOA/AAAAAAAA4D8AAAAAAADgPwAAAAAAAOA/AAAAAAAA4D8AAAAAAADgPwAAAAAAAOA/AAAAAAAA4D8CAAAAjAAAAAAAAAAAAAAAT4G9DP///wgAAAAAAAAAAAAAAAAAAAAAAAAAAAAAAAAAAAAAZAAAAAEAAABAAAAAAAAAAAAAAAAAAAAAAAAAAAAAAAAAAAAAAAAAAAAAAAAAAAAAAAAAAAAAAAAAAAAAAAAAAAAAAAAAAAAAAAAAAAAAAAAAAAAAAAAAAAAAAAAAAAAAFAAAADwAAAAAAAAAAAAAAAAAAAkUAAAAAQAAABQAAAAUAAAAFAAAAAEAAAAAAAAAZAAAAGQAAAAAAAAAZAAAAGQAAAAVAAAAYAAAAAAAAAAAAAAADwAAACADAAAAAAAAAAAAAAEAAACgMgAAVgcAAKr4//8BAAAAf39/AAEAAABkAAAAAAAAABQAAABAHwAAAAAAACYAAAAAAAAAwOD//wAAAAAmAAAAZAAAABYAAABMAAAAAAAAAAAAAAAEAAAAAAAAAAEAAADu7OEKAAAAACgAAAAoAAAAZAAAAGQAAAAAAAAAzMzMAAAAAABQAAAAUAAAAGQAAABkAAAAAAAAABcAAAAUAAAAAAAAAAAAAAD/fwAA/38AAAAAAAAJAAAABAAAAAAAAAAeAAAAaAAAAAAAAAAAAAAAAAAAAAAAAAAAAAAAECcAABAnAAAAAAAAAAAAAAAAAAAAAAAAAAAAAAAAAAAAAAAAAAAAABQAAAAAAAAAwMD/AAAAAABkAAAAMgAAAAAAAABkAAAAAAAAAH9/fwAKAAAAIgAAABgAAAAAAAAAAAAAAAAAAAAAAAAAAAAAAAAAAAAkAAAAJAAAAAAAAAAHAAAAAAAAAAAAAAAAAAAAAAAAAAAAAAAAAAAAf39/ACUAAABYAAAAAAAAAAAAAAAAAAAAAAAAAAAAAAAAAAAAAAAAAAAAAAAAAAAAAAAAAAAAAAA/AAAAAAAAAKCGAQAAAAAAAAAAAAAAAAAMAAAAAQAAAAAAAAAAAAAAAAAAAB8AAABUAAAAAAAABQAAAAEAAAAAAAAAAAAAAAAAAAAAAAAAAAAAAAAAAAAAAAAAAAAAAAJ/f38AAAAAA8zMzADAwP8Af39/AAAAAAAAAAAAAAAAAAAAAAAAAAAAIQAAABgAAAAUAAAAOBMAABonAAAIJQAAWSkAABAAAAAmAAAACAAAAAAAAAAAAAAA"/>
+                <pr:smNativeData xmlns:pr="smNativeData" xmlns="smNativeData" val="SMDATA_15_iunWYhMAAAAlAAAAZAAAAA0AAAAAkAAAAEgAAACQAAAASAAAAAAAAAABAAAAAAAAAAEAAABQAAAAAAAAAAAA4D8AAAAAAADgPwAAAAAAAOA/AAAAAAAA4D8AAAAAAADgPwAAAAAAAOA/AAAAAAAA4D8AAAAAAADgPwAAAAAAAOA/AAAAAAAA4D8CAAAAjAAAAAAAAAAAAAAAT4G9DP///wgAAAAAAAAAAAAAAAAAAAAAAAAAAAAAAAAAAAAAZAAAAAEAAABAAAAAAAAAAAAAAAAAAAAAAAAAAAAAAAAAAAAAAAAAAAAAAAAAAAAAAAAAAAAAAAAAAAAAAAAAAAAAAAAAAAAAAAAAAAAAAAAAAAAAAAAAAAAAAAAAAAAAFAAAADwAAAAAAAAAAAAAAAAAAAkUAAAAAQAAABQAAAAUAAAAFAAAAAEAAAAAAAAAZAAAAGQAAAAAAAAAZAAAAGQAAAAVAAAAYAAAAAAAAAAAAAAADwAAACADAAAAAAAAAAAAAAEAAACgMgAAVgcAAKr4//8BAAAAf39/AAEAAABkAAAAAAAAABQAAABAHwAAAAAAACYAAAAAAAAAwOD//wAAAAAmAAAAZAAAABYAAABMAAAAAAAAAAAAAAAEAAAAAAAAAAEAAADu7OEKAAAAACgAAAAoAAAAZAAAAGQAAAAAAAAAzMzMAAAAAABQAAAAUAAAAGQAAABkAAAAAAAAABcAAAAUAAAAAAAAAAAAAAD/fwAA/38AAAAAAAAJAAAABAAAAAAAAAAeAAAAaAAAAAAAAAAAAAAAAAAAAAAAAAAAAAAAECcAABAnAAAAAAAAAAAAAAAAAAAAAAAAAAAAAAAAAAAAAAAAAAAAABQAAAAAAAAAwMD/AAAAAABkAAAAMgAAAAAAAABkAAAAAAAAAH9/fwAKAAAAIgAAABgAAAAAAAAAAAAAAAAAAAAAAAAAAAAAAAAAAAAkAAAAJAAAAAAAAAAHAAAAAAAAAAAAAAAAAAAAAAAAAAAAAAAAAAAAf39/ACUAAABYAAAAAAAAAAAAAAAAAAAAAAAAAAAAAAAAAAAAAAAAAAAAAAAAAAAAAAAAAAAAAAA/AAAAAAAAAKCGAQAAAAAAAAAAAAAAAAAMAAAAAQAAAAAAAAAAAAAAAAAAAB8AAABUAAAAAAAABQAAAAEAAAAAAAAAAAAAAAAAAAAAAAAAAAAAAAAAAAAAAAAAAAAAAAJ/f38AAAAAA8zMzADAwP8Af39/AAAAAAAAAAAAAAAAAAAAAAAAAAAAIQAAABgAAAAUAAAAOBMAABonAAAIJQAAWSkAABAAAAAmAAAACAAAAAAAAAAAAAAA"/>
               </a:ext>
             </a:extLst>
           </p:cNvSpPr>
@@ -2189,7 +2190,7 @@
             <a:spLocks noGrp="1" noChangeArrowheads="1"/>
             <a:extLst>
               <a:ext uri="smNativeData">
-                <pr:smNativeData xmlns:pr="smNativeData" xmlns="smNativeData" val="SMDATA_15_JtjWYhMAAAAlAAAAZAAAAA0AAAAAkAAAAEgAAACQAAAASAAAAAAAAAABAAAAAAAAAAEAAABQAAAAAAAAAAAA4D8AAAAAAADgPwAAAAAAAOA/AAAAAAAA4D8AAAAAAADgPwAAAAAAAOA/AAAAAAAA4D8AAAAAAADgPwAAAAAAAOA/AAAAAAAA4D8CAAAAjAAAAAAAAAAAAAAAT4G9DP///wgAAAAAAAAAAAAAAAAAAAAAAAAAAAAAAAAAAAAAZAAAAAEAAABAAAAAAAAAAAAAAAAAAAAAAAAAAAAAAAAAAAAAAAAAAAAAAAAAAAAAAAAAAAAAAAAAAAAAAAAAAAAAAAAAAAAAAAAAAAAAAAAAAAAAAAAAAAAAAAAAAAAAFAAAADwAAAAAAAAAAAAAAAAAAAkUAAAAAQAAABQAAAAUAAAAFAAAAAEAAAAAAAAAZAAAAGQAAAAAAAAAZAAAAGQAAAAVAAAAYAAAAAAAAAAAAAAADwAAACADAAAAAAAAAAAAAAEAAACgMgAAVgcAAKr4//8BAAAAf39/AAEAAABkAAAAAAAAABQAAABAHwAAAAAAACYAAAAAAAAAwOD//wAAAAAmAAAAZAAAABYAAABMAAAAAAAAAAAAAAAEAAAAAAAAAAEAAADu7OEKAAAAACgAAAAoAAAAZAAAAGQAAAAAAAAAzMzMAAAAAABQAAAAUAAAAGQAAABkAAAAAAAAABcAAAAUAAAAAAAAAAAAAAD/fwAA/38AAAAAAAAJAAAABAAAAFRhcmceAAAAaAAAAAAAAAAAAAAAAAAAAAAAAAAAAAAAECcAABAnAAAAAAAAAAAAAAAAAAAAAAAAAAAAAAAAAAAAAAAAAAAAABQAAAAAAAAAwMD/AAAAAABkAAAAMgAAAAAAAABkAAAAAAAAAH9/fwAKAAAAIgAAABgAAAAAAAAAAAAAAAAAAAAAAAAAAAAAAAAAAAAkAAAAJAAAAAAAAAAHAAAAAAAAAAAAAAAAAAAAAAAAAAAAAAAAAAAAf39/ACUAAABYAAAAAAAAAAAAAAAAAAAAAAAAAAAAAAAAAAAAAAAAAAAAAAAAAAAAAAAAAAAAAAA/AAAAAAAAAKCGAQAAAAAAAAAAAAAAAAAMAAAAAQAAAAAAAAAAAAAAAAAAAB8AAABUAAAAAAAABQAAAAEAAAAAAAAAAAAAAAAAAAAAAAAAAAAAAAAAAAAAAAAAAAAAAAJ/f38AAAAAA8zMzADAwP8Af39/AAAAAAAAAAAAAAAAAAAAAAAAAAAAIQAAABgAAAAUAAAAUCgAABonAABwNQAAWSkAABAAAAAmAAAACAAAAAAAAAAAAAAA"/>
+                <pr:smNativeData xmlns:pr="smNativeData" xmlns="smNativeData" val="SMDATA_15_iunWYhMAAAAlAAAAZAAAAA0AAAAAkAAAAEgAAACQAAAASAAAAAAAAAABAAAAAAAAAAEAAABQAAAAAAAAAAAA4D8AAAAAAADgPwAAAAAAAOA/AAAAAAAA4D8AAAAAAADgPwAAAAAAAOA/AAAAAAAA4D8AAAAAAADgPwAAAAAAAOA/AAAAAAAA4D8CAAAAjAAAAAAAAAAAAAAAT4G9DP///wgAAAAAAAAAAAAAAAAAAAAAAAAAAAAAAAAAAAAAZAAAAAEAAABAAAAAAAAAAAAAAAAAAAAAAAAAAAAAAAAAAAAAAAAAAAAAAAAAAAAAAAAAAAAAAAAAAAAAAAAAAAAAAAAAAAAAAAAAAAAAAAAAAAAAAAAAAAAAAAAAAAAAFAAAADwAAAAAAAAAAAAAAAAAAAkUAAAAAQAAABQAAAAUAAAAFAAAAAEAAAAAAAAAZAAAAGQAAAAAAAAAZAAAAGQAAAAVAAAAYAAAAAAAAAAAAAAADwAAACADAAAAAAAAAAAAAAEAAACgMgAAVgcAAKr4//8BAAAAf39/AAEAAABkAAAAAAAAABQAAABAHwAAAAAAACYAAAAAAAAAwOD//wAAAAAmAAAAZAAAABYAAABMAAAAAAAAAAAAAAAEAAAAAAAAAAEAAADu7OEKAAAAACgAAAAoAAAAZAAAAGQAAAAAAAAAzMzMAAAAAABQAAAAUAAAAGQAAABkAAAAAAAAABcAAAAUAAAAAAAAAAAAAAD/fwAA/38AAAAAAAAJAAAABAAAAFRhcmceAAAAaAAAAAAAAAAAAAAAAAAAAAAAAAAAAAAAECcAABAnAAAAAAAAAAAAAAAAAAAAAAAAAAAAAAAAAAAAAAAAAAAAABQAAAAAAAAAwMD/AAAAAABkAAAAMgAAAAAAAABkAAAAAAAAAH9/fwAKAAAAIgAAABgAAAAAAAAAAAAAAAAAAAAAAAAAAAAAAAAAAAAkAAAAJAAAAAAAAAAHAAAAAAAAAAAAAAAAAAAAAAAAAAAAAAAAAAAAf39/ACUAAABYAAAAAAAAAAAAAAAAAAAAAAAAAAAAAAAAAAAAAAAAAAAAAAAAAAAAAAAAAAAAAAA/AAAAAAAAAKCGAQAAAAAAAAAAAAAAAAAMAAAAAQAAAAAAAAAAAAAAAAAAAB8AAABUAAAAAAAABQAAAAEAAAAAAAAAAAAAAAAAAAAAAAAAAAAAAAAAAAAAAAAAAAAAAAJ/f38AAAAAA8zMzADAwP8Af39/AAAAAAAAAAAAAAAAAAAAAAAAAAAAIQAAABgAAAAUAAAAUCgAABonAABwNQAAWSkAABAAAAAmAAAACAAAAAAAAAAAAAAA"/>
               </a:ext>
             </a:extLst>
           </p:cNvSpPr>
@@ -2205,7 +2206,7 @@
             <a:pPr>
               <a:defRPr lang="fr-fr"/>
             </a:pPr>
-            <a:fld id="{5A8C2A43-0DB7-D9DC-F934-FB89647A0FAE}" type="slidenum">
+            <a:fld id="{7222AED6-989F-7758-D19A-6E0DE0D4273B}" type="slidenum">
               <a:t>‹#›</a:t>
             </a:fld>
           </a:p>
@@ -2244,7 +2245,7 @@
             <a:spLocks noGrp="1" noChangeArrowheads="1"/>
             <a:extLst>
               <a:ext uri="smNativeData">
-                <pr:smNativeData xmlns:pr="smNativeData" xmlns="smNativeData" val="SMDATA_15_JtjWYhMAAAAlAAAAZAAAAA0AAAAAkAAAAEgAAACQAAAASAAAAAAAAAABAAAAAAAAAAEAAABQAAAAAAAAAAAA4D8AAAAAAADgPwAAAAAAAOA/AAAAAAAA4D8AAAAAAADgPwAAAAAAAOA/AAAAAAAA4D8AAAAAAADgPwAAAAAAAOA/AAAAAAAA4D8CAAAAjAAAAAAAAAAAAAAAT4G9DP///wgAAAAAAAAAAAAAAAAAAAAAAAAAAAAAAAAAAAAAZAAAAAEAAABAAAAAAAAAAAAAAAAAAAAAAAAAAAAAAAAAAAAAAAAAAAAAAAAAAAAAAAAAAAAAAAAAAAAAAAAAAAAAAAAAAAAAAAAAAAAAAAAAAAAAAAAAAAAAAAAAAAAAFAAAADwAAAAAAAAAAAAAAAAAAAkUAAAAAQAAABQAAAAUAAAAFAAAAAEAAAAAAAAAZAAAAGQAAAAAAAAAZAAAAGQAAAAVAAAAYAAAAAAAAAAAAAAADwAAACADAAAAAAAAAAAAAAEAAACgMgAAVgcAAKr4//8BAAAAf39/AAEAAABkAAAAAAAAABQAAABAHwAAAAAAACYAAAAAAAAAwOD//wAAAAAmAAAAZAAAABYAAABMAAAAAAAAAAAAAAAEAAAAAAAAAAEAAADu7OEKAAAAACgAAAAoAAAAZAAAAGQAAAAAAAAAzMzMAAAAAABQAAAAUAAAAGQAAABkAAAAAAAAABcAAAAUAAAAAAAAAAAAAAD/fwAA/38AAAAAAAAJAAAABAAAAAAAAAAeAAAAaAAAAAAAAAAAAAAAAAAAAAAAAAAAAAAAECcAABAnAAAAAAAAAAAAAAAAAAAAAAAAAAAAAAAAAAAAAAAAAAAAABQAAAAAAAAAwMD/AAAAAABkAAAAMgAAAAAAAABkAAAAAAAAAH9/fwAKAAAAIgAAABgAAAAAAAAAAAAAAAAAAAAAAAAAAAAAAAAAAAAkAAAAJAAAAAAAAAAHAAAAAAAAAAAAAAAAAAAAAAAAAAAAAAAAAAAAf39/ACUAAABYAAAAAAAAAAAAAAAAAAAAAAAAAAAAAAAAAAAAAAAAAAAAAAAAAAAAAAAAAAAAAAA/AAAAAAAAAKCGAQAAAAAAAAAAAAAAAAAMAAAAAQAAAAAAAAAAAAAAAAAAAB8AAABUAAAAAAAABQAAAAEAAAAAAAAAAAAAAAAAAAAAAAAAAAAAAAAAAAAAAAAAAAAAAAJ/f38AAAAAA8zMzADAwP8Af39/AAAAAAAAAAAAAAAAAAAAAAAAAAAAIQAAABgAAAAUAAAA0AIAALEBAABwNQAAuQgAABAAAAAmAAAACAAAAAAAAAAAAAAA"/>
+                <pr:smNativeData xmlns:pr="smNativeData" xmlns="smNativeData" val="SMDATA_15_iunWYhMAAAAlAAAAZAAAAA0AAAAAkAAAAEgAAACQAAAASAAAAAAAAAABAAAAAAAAAAEAAABQAAAAAAAAAAAA4D8AAAAAAADgPwAAAAAAAOA/AAAAAAAA4D8AAAAAAADgPwAAAAAAAOA/AAAAAAAA4D8AAAAAAADgPwAAAAAAAOA/AAAAAAAA4D8CAAAAjAAAAAAAAAAAAAAAT4G9DP///wgAAAAAAAAAAAAAAAAAAAAAAAAAAAAAAAAAAAAAZAAAAAEAAABAAAAAAAAAAAAAAAAAAAAAAAAAAAAAAAAAAAAAAAAAAAAAAAAAAAAAAAAAAAAAAAAAAAAAAAAAAAAAAAAAAAAAAAAAAAAAAAAAAAAAAAAAAAAAAAAAAAAAFAAAADwAAAAAAAAAAAAAAAAAAAkUAAAAAQAAABQAAAAUAAAAFAAAAAEAAAAAAAAAZAAAAGQAAAAAAAAAZAAAAGQAAAAVAAAAYAAAAAAAAAAAAAAADwAAACADAAAAAAAAAAAAAAEAAACgMgAAVgcAAKr4//8BAAAAf39/AAEAAABkAAAAAAAAABQAAABAHwAAAAAAACYAAAAAAAAAwOD//wAAAAAmAAAAZAAAABYAAABMAAAAAAAAAAAAAAAEAAAAAAAAAAEAAADu7OEKAAAAACgAAAAoAAAAZAAAAGQAAAAAAAAAzMzMAAAAAABQAAAAUAAAAGQAAABkAAAAAAAAABcAAAAUAAAAAAAAAAAAAAD/fwAA/38AAAAAAAAJAAAABAAAAAAAAAAeAAAAaAAAAAAAAAAAAAAAAAAAAAAAAAAAAAAAECcAABAnAAAAAAAAAAAAAAAAAAAAAAAAAAAAAAAAAAAAAAAAAAAAABQAAAAAAAAAwMD/AAAAAABkAAAAMgAAAAAAAABkAAAAAAAAAH9/fwAKAAAAIgAAABgAAAAAAAAAAAAAAAAAAAAAAAAAAAAAAAAAAAAkAAAAJAAAAAAAAAAHAAAAAAAAAAAAAAAAAAAAAAAAAAAAAAAAAAAAf39/ACUAAABYAAAAAAAAAAAAAAAAAAAAAAAAAAAAAAAAAAAAAAAAAAAAAAAAAAAAAAAAAAAAAAA/AAAAAAAAAKCGAQAAAAAAAAAAAAAAAAAMAAAAAQAAAAAAAAAAAAAAAAAAAB8AAABUAAAAAAAABQAAAAEAAAAAAAAAAAAAAAAAAAAAAAAAAAAAAAAAAAAAAAAAAAAAAAJ/f38AAAAAA8zMzADAwP8Af39/AAAAAAAAAAAAAAAAAAAAAAAAAAAAIQAAABgAAAAUAAAA0AIAALEBAABwNQAAuQgAABAAAAAmAAAACAAAAAAAAAAAAAAA"/>
               </a:ext>
             </a:extLst>
           </p:cNvSpPr>
@@ -2273,7 +2274,7 @@
             <a:spLocks noGrp="1" noChangeArrowheads="1"/>
             <a:extLst>
               <a:ext uri="smNativeData">
-                <pr:smNativeData xmlns:pr="smNativeData" xmlns="smNativeData" val="SMDATA_15_JtjWYhMAAAAlAAAAZAAAAA0AAAAAkAAAAEgAAACQAAAASAAAAAAAAAABAAAAAAAAAAEAAABQAAAAAAAAAAAA4D8AAAAAAADgPwAAAAAAAOA/AAAAAAAA4D8AAAAAAADgPwAAAAAAAOA/AAAAAAAA4D8AAAAAAADgPwAAAAAAAOA/AAAAAAAA4D8CAAAAjAAAAAAAAAAAAAAAT4G9DP///wgAAAAAAAAAAAAAAAAAAAAAAAAAAAAAAAAAAAAAZAAAAAEAAABAAAAAAAAAAAAAAAAAAAAAAAAAAAAAAAAAAAAAAAAAAAAAAAAAAAAAAAAAAAAAAAAAAAAAAAAAAAAAAAAAAAAAAAAAAAAAAAAAAAAAAAAAAAAAAAAAAAAAFAAAADwAAAAAAAAAAAAAAAAAAAkUAAAAAQAAABQAAAAUAAAAFAAAAAEAAAAAAAAAZAAAAGQAAAAAAAAAZAAAAGQAAAAVAAAAYAAAAAAAAAAAAAAADwAAACADAAAAAAAAAAAAAAEAAACgMgAAVgcAAKr4//8BAAAAf39/AAEAAABkAAAAAAAAABQAAABAHwAAAAAAACYAAAAAAAAAwOD//wAAAAAmAAAAZAAAABYAAABMAAAAAAAAAAAAAAAEAAAAAAAAAAEAAADu7OEKAAAAACgAAAAoAAAAZAAAAGQAAAAAAAAAzMzMAAAAAABQAAAAUAAAAGQAAABkAAAAAAAAABcAAAAUAAAAAAAAAAAAAAD/fwAA/38AAAAAAAAJAAAABAAAAFRhcmceAAAAaAAAAAAAAAAAAAAAAAAAAAAAAAAAAAAAECcAABAnAAAAAAAAAAAAAAAAAAAAAAAAAAAAAAAAAAAAAAAAAAAAABQAAAAAAAAAwMD/AAAAAABkAAAAMgAAAAAAAABkAAAAAAAAAH9/fwAKAAAAIgAAABgAAAAAAAAAAAAAAAAAAAAAAAAAAAAAAAAAAAAkAAAAJAAAAAAAAAAHAAAAAAAAAAAAAAAAAAAAAAAAAAAAAAAAAAAAf39/ACUAAABYAAAAAAAAAAAAAAAAAAAAAAAAAAAAAAAAAAAAAAAAAAAAAAAAAAAAAAAAAAAAAAA/AAAAAAAAAKCGAQAAAAAAAAAAAAAAAAAMAAAAAQAAAAAAAAAAAAAAAAAAAB8AAABUAAAAAAAABQAAAAEAAAAAAAAAAAAAAAAAAAAAAAAAAAAAAAAAAAAAAAAAAAAAAAJ/f38AAAAAA8zMzADAwP8Af39/AAAAAAAAAAAAAAAAAAAAAAAAAAAAIQAAABgAAAAUAAAA0AIAABonAADwDwAAWSkAABAAAAAmAAAACAAAAAAAAAAAAAAA"/>
+                <pr:smNativeData xmlns:pr="smNativeData" xmlns="smNativeData" val="SMDATA_15_iunWYhMAAAAlAAAAZAAAAA0AAAAAkAAAAEgAAACQAAAASAAAAAAAAAABAAAAAAAAAAEAAABQAAAAAAAAAAAA4D8AAAAAAADgPwAAAAAAAOA/AAAAAAAA4D8AAAAAAADgPwAAAAAAAOA/AAAAAAAA4D8AAAAAAADgPwAAAAAAAOA/AAAAAAAA4D8CAAAAjAAAAAAAAAAAAAAAT4G9DP///wgAAAAAAAAAAAAAAAAAAAAAAAAAAAAAAAAAAAAAZAAAAAEAAABAAAAAAAAAAAAAAAAAAAAAAAAAAAAAAAAAAAAAAAAAAAAAAAAAAAAAAAAAAAAAAAAAAAAAAAAAAAAAAAAAAAAAAAAAAAAAAAAAAAAAAAAAAAAAAAAAAAAAFAAAADwAAAAAAAAAAAAAAAAAAAkUAAAAAQAAABQAAAAUAAAAFAAAAAEAAAAAAAAAZAAAAGQAAAAAAAAAZAAAAGQAAAAVAAAAYAAAAAAAAAAAAAAADwAAACADAAAAAAAAAAAAAAEAAACgMgAAVgcAAKr4//8BAAAAf39/AAEAAABkAAAAAAAAABQAAABAHwAAAAAAACYAAAAAAAAAwOD//wAAAAAmAAAAZAAAABYAAABMAAAAAAAAAAAAAAAEAAAAAAAAAAEAAADu7OEKAAAAACgAAAAoAAAAZAAAAGQAAAAAAAAAzMzMAAAAAABQAAAAUAAAAGQAAABkAAAAAAAAABcAAAAUAAAAAAAAAAAAAAD/fwAA/38AAAAAAAAJAAAABAAAAFRhcmceAAAAaAAAAAAAAAAAAAAAAAAAAAAAAAAAAAAAECcAABAnAAAAAAAAAAAAAAAAAAAAAAAAAAAAAAAAAAAAAAAAAAAAABQAAAAAAAAAwMD/AAAAAABkAAAAMgAAAAAAAABkAAAAAAAAAH9/fwAKAAAAIgAAABgAAAAAAAAAAAAAAAAAAAAAAAAAAAAAAAAAAAAkAAAAJAAAAAAAAAAHAAAAAAAAAAAAAAAAAAAAAAAAAAAAAAAAAAAAf39/ACUAAABYAAAAAAAAAAAAAAAAAAAAAAAAAAAAAAAAAAAAAAAAAAAAAAAAAAAAAAAAAAAAAAA/AAAAAAAAAKCGAQAAAAAAAAAAAAAAAAAMAAAAAQAAAAAAAAAAAAAAAAAAAB8AAABUAAAAAAAABQAAAAEAAAAAAAAAAAAAAAAAAAAAAAAAAAAAAAAAAAAAAAAAAAAAAAJ/f38AAAAAA8zMzADAwP8Af39/AAAAAAAAAAAAAAAAAAAAAAAAAAAAIQAAABgAAAAUAAAA0AIAABonAADwDwAAWSkAABAAAAAmAAAACAAAAAAAAAAAAAAA"/>
               </a:ext>
             </a:extLst>
           </p:cNvSpPr>
@@ -2289,7 +2290,7 @@
             <a:pPr>
               <a:defRPr lang="fr-fr"/>
             </a:pPr>
-            <a:fld id="{580F82EC-A2B5-5A74-FBB7-5421CCF90D01}" type="datetime1">
+            <a:fld id="{5AE0FD37-79B7-B50B-F958-8F5EB3160FDA}" type="datetime1">
               <a:t>1/04/15</a:t>
             </a:fld>
           </a:p>
@@ -2302,7 +2303,7 @@
             <a:spLocks noGrp="1" noChangeArrowheads="1"/>
             <a:extLst>
               <a:ext uri="smNativeData">
-                <pr:smNativeData xmlns:pr="smNativeData" xmlns="smNativeData" val="SMDATA_15_JtjWYhMAAAAlAAAAZAAAAA0AAAAAkAAAAEgAAACQAAAASAAAAAAAAAABAAAAAAAAAAEAAABQAAAAAAAAAAAA4D8AAAAAAADgPwAAAAAAAOA/AAAAAAAA4D8AAAAAAADgPwAAAAAAAOA/AAAAAAAA4D8AAAAAAADgPwAAAAAAAOA/AAAAAAAA4D8CAAAAjAAAAAAAAAAAAAAAT4G9DP///wgAAAAAAAAAAAAAAAAAAAAAAAAAAAAAAAAAAAAAZAAAAAEAAABAAAAAAAAAAAAAAAAAAAAAAAAAAAAAAAAAAAAAAAAAAAAAAAAAAAAAAAAAAAAAAAAAAAAAAAAAAAAAAAAAAAAAAAAAAAAAAAAAAAAAAAAAAAAAAAAAAAAAFAAAADwAAAAAAAAAAAAAAAAAAAkUAAAAAQAAABQAAAAUAAAAFAAAAAEAAAAAAAAAZAAAAGQAAAAAAAAAZAAAAGQAAAAVAAAAYAAAAAAAAAAAAAAADwAAACADAAAAAAAAAAAAAAEAAACgMgAAVgcAAKr4//8BAAAAf39/AAEAAABkAAAAAAAAABQAAABAHwAAAAAAACYAAAAAAAAAwOD//wAAAAAmAAAAZAAAABYAAABMAAAAAAAAAAAAAAAEAAAAAAAAAAEAAADu7OEKAAAAACgAAAAoAAAAZAAAAGQAAAAAAAAAzMzMAAAAAABQAAAAUAAAAGQAAABkAAAAAAAAABcAAAAUAAAAAAAAAAAAAAD/fwAA/38AAAAAAAAJAAAABAAAAAAAAAAeAAAAaAAAAAAAAAAAAAAAAAAAAAAAAAAAAAAAECcAABAnAAAAAAAAAAAAAAAAAAAAAAAAAAAAAAAAAAAAAAAAAAAAABQAAAAAAAAAwMD/AAAAAABkAAAAMgAAAAAAAABkAAAAAAAAAH9/fwAKAAAAIgAAABgAAAAAAAAAAAAAAAAAAAAAAAAAAAAAAAAAAAAkAAAAJAAAAAAAAAAHAAAAAAAAAAAAAAAAAAAAAAAAAAAAAAAAAAAAf39/ACUAAABYAAAAAAAAAAAAAAAAAAAAAAAAAAAAAAAAAAAAAAAAAAAAAAAAAAAAAAAAAAAAAAA/AAAAAAAAAKCGAQAAAAAAAAAAAAAAAAAMAAAAAQAAAAAAAAAAAAAAAAAAAB8AAABUAAAAAAAABQAAAAEAAAAAAAAAAAAAAAAAAAAAAAAAAAAAAAAAAAAAAAAAAAAAAAJ/f38AAAAAA8zMzADAwP8Af39/AAAAAAAAAAAAAAAAAAAAAAAAAAAAIQAAABgAAAAUAAAAOBMAABonAAAIJQAAWSkAABAAAAAmAAAACAAAAAAAAAAAAAAA"/>
+                <pr:smNativeData xmlns:pr="smNativeData" xmlns="smNativeData" val="SMDATA_15_iunWYhMAAAAlAAAAZAAAAA0AAAAAkAAAAEgAAACQAAAASAAAAAAAAAABAAAAAAAAAAEAAABQAAAAAAAAAAAA4D8AAAAAAADgPwAAAAAAAOA/AAAAAAAA4D8AAAAAAADgPwAAAAAAAOA/AAAAAAAA4D8AAAAAAADgPwAAAAAAAOA/AAAAAAAA4D8CAAAAjAAAAAAAAAAAAAAAT4G9DP///wgAAAAAAAAAAAAAAAAAAAAAAAAAAAAAAAAAAAAAZAAAAAEAAABAAAAAAAAAAAAAAAAAAAAAAAAAAAAAAAAAAAAAAAAAAAAAAAAAAAAAAAAAAAAAAAAAAAAAAAAAAAAAAAAAAAAAAAAAAAAAAAAAAAAAAAAAAAAAAAAAAAAAFAAAADwAAAAAAAAAAAAAAAAAAAkUAAAAAQAAABQAAAAUAAAAFAAAAAEAAAAAAAAAZAAAAGQAAAAAAAAAZAAAAGQAAAAVAAAAYAAAAAAAAAAAAAAADwAAACADAAAAAAAAAAAAAAEAAACgMgAAVgcAAKr4//8BAAAAf39/AAEAAABkAAAAAAAAABQAAABAHwAAAAAAACYAAAAAAAAAwOD//wAAAAAmAAAAZAAAABYAAABMAAAAAAAAAAAAAAAEAAAAAAAAAAEAAADu7OEKAAAAACgAAAAoAAAAZAAAAGQAAAAAAAAAzMzMAAAAAABQAAAAUAAAAGQAAABkAAAAAAAAABcAAAAUAAAAAAAAAAAAAAD/fwAA/38AAAAAAAAJAAAABAAAAAAAAAAeAAAAaAAAAAAAAAAAAAAAAAAAAAAAAAAAAAAAECcAABAnAAAAAAAAAAAAAAAAAAAAAAAAAAAAAAAAAAAAAAAAAAAAABQAAAAAAAAAwMD/AAAAAABkAAAAMgAAAAAAAABkAAAAAAAAAH9/fwAKAAAAIgAAABgAAAAAAAAAAAAAAAAAAAAAAAAAAAAAAAAAAAAkAAAAJAAAAAAAAAAHAAAAAAAAAAAAAAAAAAAAAAAAAAAAAAAAAAAAf39/ACUAAABYAAAAAAAAAAAAAAAAAAAAAAAAAAAAAAAAAAAAAAAAAAAAAAAAAAAAAAAAAAAAAAA/AAAAAAAAAKCGAQAAAAAAAAAAAAAAAAAMAAAAAQAAAAAAAAAAAAAAAAAAAB8AAABUAAAAAAAABQAAAAEAAAAAAAAAAAAAAAAAAAAAAAAAAAAAAAAAAAAAAAAAAAAAAAJ/f38AAAAAA8zMzADAwP8Af39/AAAAAAAAAAAAAAAAAAAAAAAAAAAAIQAAABgAAAAUAAAAOBMAABonAAAIJQAAWSkAABAAAAAmAAAACAAAAAAAAAAAAAAA"/>
               </a:ext>
             </a:extLst>
           </p:cNvSpPr>
@@ -2328,7 +2329,7 @@
             <a:spLocks noGrp="1" noChangeArrowheads="1"/>
             <a:extLst>
               <a:ext uri="smNativeData">
-                <pr:smNativeData xmlns:pr="smNativeData" xmlns="smNativeData" val="SMDATA_15_JtjWYhMAAAAlAAAAZAAAAA0AAAAAkAAAAEgAAACQAAAASAAAAAAAAAABAAAAAAAAAAEAAABQAAAAAAAAAAAA4D8AAAAAAADgPwAAAAAAAOA/AAAAAAAA4D8AAAAAAADgPwAAAAAAAOA/AAAAAAAA4D8AAAAAAADgPwAAAAAAAOA/AAAAAAAA4D8CAAAAjAAAAAAAAAAAAAAAT4G9DP///wgAAAAAAAAAAAAAAAAAAAAAAAAAAAAAAAAAAAAAZAAAAAEAAABAAAAAAAAAAAAAAAAAAAAAAAAAAAAAAAAAAAAAAAAAAAAAAAAAAAAAAAAAAAAAAAAAAAAAAAAAAAAAAAAAAAAAAAAAAAAAAAAAAAAAAAAAAAAAAAAAAAAAFAAAADwAAAAAAAAAAAAAAAAAAAkUAAAAAQAAABQAAAAUAAAAFAAAAAEAAAAAAAAAZAAAAGQAAAAAAAAAZAAAAGQAAAAVAAAAYAAAAAAAAAAAAAAADwAAACADAAAAAAAAAAAAAAEAAACgMgAAVgcAAKr4//8BAAAAf39/AAEAAABkAAAAAAAAABQAAABAHwAAAAAAACYAAAAAAAAAwOD//wAAAAAmAAAAZAAAABYAAABMAAAAAAAAAAAAAAAEAAAAAAAAAAEAAADu7OEKAAAAACgAAAAoAAAAZAAAAGQAAAAAAAAAzMzMAAAAAABQAAAAUAAAAGQAAABkAAAAAAAAABcAAAAUAAAAAAAAAAAAAAD/fwAA/38AAAAAAAAJAAAABAAAAFRhcmceAAAAaAAAAAAAAAAAAAAAAAAAAAAAAAAAAAAAECcAABAnAAAAAAAAAAAAAAAAAAAAAAAAAAAAAAAAAAAAAAAAAAAAABQAAAAAAAAAwMD/AAAAAABkAAAAMgAAAAAAAABkAAAAAAAAAH9/fwAKAAAAIgAAABgAAAAAAAAAAAAAAAAAAAAAAAAAAAAAAAAAAAAkAAAAJAAAAAAAAAAHAAAAAAAAAAAAAAAAAAAAAAAAAAAAAAAAAAAAf39/ACUAAABYAAAAAAAAAAAAAAAAAAAAAAAAAAAAAAAAAAAAAAAAAAAAAAAAAAAAAAAAAAAAAAA/AAAAAAAAAKCGAQAAAAAAAAAAAAAAAAAMAAAAAQAAAAAAAAAAAAAAAAAAAB8AAABUAAAAAAAABQAAAAEAAAAAAAAAAAAAAAAAAAAAAAAAAAAAAAAAAAAAAAAAAAAAAAJ/f38AAAAAA8zMzADAwP8Af39/AAAAAAAAAAAAAAAAAAAAAAAAAAAAIQAAABgAAAAUAAAAUCgAABonAABwNQAAWSkAABAAAAAmAAAACAAAAAAAAAAAAAAA"/>
+                <pr:smNativeData xmlns:pr="smNativeData" xmlns="smNativeData" val="SMDATA_15_iunWYhMAAAAlAAAAZAAAAA0AAAAAkAAAAEgAAACQAAAASAAAAAAAAAABAAAAAAAAAAEAAABQAAAAAAAAAAAA4D8AAAAAAADgPwAAAAAAAOA/AAAAAAAA4D8AAAAAAADgPwAAAAAAAOA/AAAAAAAA4D8AAAAAAADgPwAAAAAAAOA/AAAAAAAA4D8CAAAAjAAAAAAAAAAAAAAAT4G9DP///wgAAAAAAAAAAAAAAAAAAAAAAAAAAAAAAAAAAAAAZAAAAAEAAABAAAAAAAAAAAAAAAAAAAAAAAAAAAAAAAAAAAAAAAAAAAAAAAAAAAAAAAAAAAAAAAAAAAAAAAAAAAAAAAAAAAAAAAAAAAAAAAAAAAAAAAAAAAAAAAAAAAAAFAAAADwAAAAAAAAAAAAAAAAAAAkUAAAAAQAAABQAAAAUAAAAFAAAAAEAAAAAAAAAZAAAAGQAAAAAAAAAZAAAAGQAAAAVAAAAYAAAAAAAAAAAAAAADwAAACADAAAAAAAAAAAAAAEAAACgMgAAVgcAAKr4//8BAAAAf39/AAEAAABkAAAAAAAAABQAAABAHwAAAAAAACYAAAAAAAAAwOD//wAAAAAmAAAAZAAAABYAAABMAAAAAAAAAAAAAAAEAAAAAAAAAAEAAADu7OEKAAAAACgAAAAoAAAAZAAAAGQAAAAAAAAAzMzMAAAAAABQAAAAUAAAAGQAAABkAAAAAAAAABcAAAAUAAAAAAAAAAAAAAD/fwAA/38AAAAAAAAJAAAABAAAAFRhcmceAAAAaAAAAAAAAAAAAAAAAAAAAAAAAAAAAAAAECcAABAnAAAAAAAAAAAAAAAAAAAAAAAAAAAAAAAAAAAAAAAAAAAAABQAAAAAAAAAwMD/AAAAAABkAAAAMgAAAAAAAABkAAAAAAAAAH9/fwAKAAAAIgAAABgAAAAAAAAAAAAAAAAAAAAAAAAAAAAAAAAAAAAkAAAAJAAAAAAAAAAHAAAAAAAAAAAAAAAAAAAAAAAAAAAAAAAAAAAAf39/ACUAAABYAAAAAAAAAAAAAAAAAAAAAAAAAAAAAAAAAAAAAAAAAAAAAAAAAAAAAAAAAAAAAAA/AAAAAAAAAKCGAQAAAAAAAAAAAAAAAAAMAAAAAQAAAAAAAAAAAAAAAAAAAB8AAABUAAAAAAAABQAAAAEAAAAAAAAAAAAAAAAAAAAAAAAAAAAAAAAAAAAAAAAAAAAAAAJ/f38AAAAAA8zMzADAwP8Af39/AAAAAAAAAAAAAAAAAAAAAAAAAAAAIQAAABgAAAAUAAAAUCgAABonAABwNQAAWSkAABAAAAAmAAAACAAAAAAAAAAAAAAA"/>
               </a:ext>
             </a:extLst>
           </p:cNvSpPr>
@@ -2344,7 +2345,7 @@
             <a:pPr>
               <a:defRPr lang="fr-fr"/>
             </a:pPr>
-            <a:fld id="{0A0C6758-16E7-5991-A9B4-E0C429FA5FB5}" type="slidenum">
+            <a:fld id="{3ABFD495-DBD7-EA22-9907-2D779A496F78}" type="slidenum">
               <a:t>‹#›</a:t>
             </a:fld>
           </a:p>
@@ -2383,7 +2384,7 @@
             <a:spLocks noGrp="1" noChangeArrowheads="1"/>
             <a:extLst>
               <a:ext uri="smNativeData">
-                <pr:smNativeData xmlns:pr="smNativeData" xmlns="smNativeData" val="SMDATA_15_JtjWYhMAAAAlAAAAZAAAAA0AAAAAkAAAAEgAAACQAAAASAAAAAAAAAABAAAAAAAAAAEAAABQAAAAAAAAAAAA4D8AAAAAAADgPwAAAAAAAOA/AAAAAAAA4D8AAAAAAADgPwAAAAAAAOA/AAAAAAAA4D8AAAAAAADgPwAAAAAAAOA/AAAAAAAA4D8CAAAAjAAAAAAAAAAAAAAAT4G9DP///wgAAAAAAAAAAAAAAAAAAAAAAAAAAAAAAAAAAAAAZAAAAAEAAABAAAAAAAAAAAAAAAAAAAAAAAAAAAAAAAAAAAAAAAAAAAAAAAAAAAAAAAAAAAAAAAAAAAAAAAAAAAAAAAAAAAAAAAAAAAAAAAAAAAAAAAAAAAAAAAAAAAAAFAAAADwAAAAAAAAAAAAAAAAAAAkUAAAAAQAAABQAAAAUAAAAFAAAAAEAAAAAAAAAZAAAAGQAAAAAAAAAZAAAAGQAAAAVAAAAYAAAAAAAAAAAAAAADwAAACADAAAAAAAAAAAAAAEAAACgMgAAVgcAAKr4//8BAAAAf39/AAEAAABkAAAAAAAAABQAAABAHwAAAAAAACYAAAAAAAAAwOD//wAAAAAmAAAAZAAAABYAAABMAAAAAAAAAAAAAAAEAAAAAAAAAAEAAADu7OEKAAAAACgAAAAoAAAAZAAAAGQAAAAAAAAAzMzMAAAAAABQAAAAUAAAAGQAAABkAAAAAAAAABcAAAAUAAAAAAAAAAAAAAD/fwAA/38AAAAAAAAJAAAABAAAAAAAAAAeAAAAaAAAAAAAAAAAAAAAAAAAAAAAAAAAAAAAECcAABAnAAAAAAAAAAAAAAAAAAAAAAAAAAAAAAAAAAAAAAAAAAAAABQAAAAAAAAAwMD/AAAAAABkAAAAMgAAAAAAAABkAAAAAAAAAH9/fwAKAAAAIgAAABgAAAAAAAAAAAAAAAAAAAAAAAAAAAAAAAAAAAAkAAAAJAAAAAAAAAAHAAAAAAAAAAAAAAAAAAAAAAAAAAAAAAAAAAAAf39/ACUAAABYAAAAAAAAAAAAAAAAAAAAAAAAAAAAAAAAAAAAAAAAAAAAAAAAAAAAAAAAAAAAAAA/AAAAAAAAAKCGAQAAAAAAAAAAAAAAAAAMAAAAAQAAAAAAAAAAAAAAAAAAAB8AAABUAAAAAAAABQAAAAEAAAAAAAAAAAAAAAAAAAAAAAAAAAAAAAAAAAAAAAAAAAAAAAJ/f38AAAAAA8zMzADAwP8Af39/AAAAAAAAAAAAAAAAAAAAAAAAAAAAIQAAABgAAAAUAAAA0AIAABonAADwDwAAWSkAABAAAAAmAAAACAAAAAAAAAAAAAAA"/>
+                <pr:smNativeData xmlns:pr="smNativeData" xmlns="smNativeData" val="SMDATA_15_iunWYhMAAAAlAAAAZAAAAA0AAAAAkAAAAEgAAACQAAAASAAAAAAAAAABAAAAAAAAAAEAAABQAAAAAAAAAAAA4D8AAAAAAADgPwAAAAAAAOA/AAAAAAAA4D8AAAAAAADgPwAAAAAAAOA/AAAAAAAA4D8AAAAAAADgPwAAAAAAAOA/AAAAAAAA4D8CAAAAjAAAAAAAAAAAAAAAT4G9DP///wgAAAAAAAAAAAAAAAAAAAAAAAAAAAAAAAAAAAAAZAAAAAEAAABAAAAAAAAAAAAAAAAAAAAAAAAAAAAAAAAAAAAAAAAAAAAAAAAAAAAAAAAAAAAAAAAAAAAAAAAAAAAAAAAAAAAAAAAAAAAAAAAAAAAAAAAAAAAAAAAAAAAAFAAAADwAAAAAAAAAAAAAAAAAAAkUAAAAAQAAABQAAAAUAAAAFAAAAAEAAAAAAAAAZAAAAGQAAAAAAAAAZAAAAGQAAAAVAAAAYAAAAAAAAAAAAAAADwAAACADAAAAAAAAAAAAAAEAAACgMgAAVgcAAKr4//8BAAAAf39/AAEAAABkAAAAAAAAABQAAABAHwAAAAAAACYAAAAAAAAAwOD//wAAAAAmAAAAZAAAABYAAABMAAAAAAAAAAAAAAAEAAAAAAAAAAEAAADu7OEKAAAAACgAAAAoAAAAZAAAAGQAAAAAAAAAzMzMAAAAAABQAAAAUAAAAGQAAABkAAAAAAAAABcAAAAUAAAAAAAAAAAAAAD/fwAA/38AAAAAAAAJAAAABAAAAAAAAAAeAAAAaAAAAAAAAAAAAAAAAAAAAAAAAAAAAAAAECcAABAnAAAAAAAAAAAAAAAAAAAAAAAAAAAAAAAAAAAAAAAAAAAAABQAAAAAAAAAwMD/AAAAAABkAAAAMgAAAAAAAABkAAAAAAAAAH9/fwAKAAAAIgAAABgAAAAAAAAAAAAAAAAAAAAAAAAAAAAAAAAAAAAkAAAAJAAAAAAAAAAHAAAAAAAAAAAAAAAAAAAAAAAAAAAAAAAAAAAAf39/ACUAAABYAAAAAAAAAAAAAAAAAAAAAAAAAAAAAAAAAAAAAAAAAAAAAAAAAAAAAAAAAAAAAAA/AAAAAAAAAKCGAQAAAAAAAAAAAAAAAAAMAAAAAQAAAAAAAAAAAAAAAAAAAB8AAABUAAAAAAAABQAAAAEAAAAAAAAAAAAAAAAAAAAAAAAAAAAAAAAAAAAAAAAAAAAAAAJ/f38AAAAAA8zMzADAwP8Af39/AAAAAAAAAAAAAAAAAAAAAAAAAAAAIQAAABgAAAAUAAAA0AIAABonAADwDwAAWSkAABAAAAAmAAAACAAAAAAAAAAAAAAA"/>
               </a:ext>
             </a:extLst>
           </p:cNvSpPr>
@@ -2399,7 +2400,7 @@
             <a:pPr>
               <a:defRPr lang="fr-fr"/>
             </a:pPr>
-            <a:fld id="{1A5FA936-78F7-0A5F-B9E7-8E0AE7A94FDB}" type="datetime1">
+            <a:fld id="{11BF6E9B-D5FC-EA98-B207-23CD20494476}" type="datetime1">
               <a:t>1/04/15</a:t>
             </a:fld>
           </a:p>
@@ -2412,7 +2413,7 @@
             <a:spLocks noGrp="1" noChangeArrowheads="1"/>
             <a:extLst>
               <a:ext uri="smNativeData">
-                <pr:smNativeData xmlns:pr="smNativeData" xmlns="smNativeData" val="SMDATA_15_JtjWYhMAAAAlAAAAZAAAAA0AAAAAkAAAAEgAAACQAAAASAAAAAAAAAABAAAAAAAAAAEAAABQAAAAAAAAAAAA4D8AAAAAAADgPwAAAAAAAOA/AAAAAAAA4D8AAAAAAADgPwAAAAAAAOA/AAAAAAAA4D8AAAAAAADgPwAAAAAAAOA/AAAAAAAA4D8CAAAAjAAAAAAAAAAAAAAAT4G9DP///wgAAAAAAAAAAAAAAAAAAAAAAAAAAAAAAAAAAAAAZAAAAAEAAABAAAAAAAAAAAAAAAAAAAAAAAAAAAAAAAAAAAAAAAAAAAAAAAAAAAAAAAAAAAAAAAAAAAAAAAAAAAAAAAAAAAAAAAAAAAAAAAAAAAAAAAAAAAAAAAAAAAAAFAAAADwAAAAAAAAAAAAAAAAAAAkUAAAAAQAAABQAAAAUAAAAFAAAAAEAAAAAAAAAZAAAAGQAAAAAAAAAZAAAAGQAAAAVAAAAYAAAAAAAAAAAAAAADwAAACADAAAAAAAAAAAAAAEAAACgMgAAVgcAAKr4//8BAAAAf39/AAEAAABkAAAAAAAAABQAAABAHwAAAAAAACYAAAAAAAAAwOD//wAAAAAmAAAAZAAAABYAAABMAAAAAAAAAAAAAAAEAAAAAAAAAAEAAADu7OEKAAAAACgAAAAoAAAAZAAAAGQAAAAAAAAAzMzMAAAAAABQAAAAUAAAAGQAAABkAAAAAAAAABcAAAAUAAAAAAAAAAAAAAD/fwAA/38AAAAAAAAJAAAABAAAAD7o2aweAAAAaAAAAAAAAAAAAAAAAAAAAAAAAAAAAAAAECcAABAnAAAAAAAAAAAAAAAAAAAAAAAAAAAAAAAAAAAAAAAAAAAAABQAAAAAAAAAwMD/AAAAAABkAAAAMgAAAAAAAABkAAAAAAAAAH9/fwAKAAAAIgAAABgAAAAAAAAAAAAAAAAAAAAAAAAAAAAAAAAAAAAkAAAAJAAAAAAAAAAHAAAAAAAAAAAAAAAAAAAAAAAAAAAAAAAAAAAAf39/ACUAAABYAAAAAAAAAAAAAAAAAAAAAAAAAAAAAAAAAAAAAAAAAAAAAAAAAAAAAAAAAAAAAAA/AAAAAAAAAKCGAQAAAAAAAAAAAAAAAAAMAAAAAQAAAAAAAAAAAAAAAAAAAB8AAABUAAAAAAAABQAAAAEAAAAAAAAAAAAAAAAAAAAAAAAAAAAAAAAAAAAAAAAAAAAAAAJ/f38AAAAAA8zMzADAwP8Af39/AAAAAAAAAAAAAAAAAAAAAAAAAAAAIQAAABgAAAAUAAAAOBMAABonAAAIJQAAWSkAABAAAAAmAAAACAAAAAAAAAAAAAAA"/>
+                <pr:smNativeData xmlns:pr="smNativeData" xmlns="smNativeData" val="SMDATA_15_iunWYhMAAAAlAAAAZAAAAA0AAAAAkAAAAEgAAACQAAAASAAAAAAAAAABAAAAAAAAAAEAAABQAAAAAAAAAAAA4D8AAAAAAADgPwAAAAAAAOA/AAAAAAAA4D8AAAAAAADgPwAAAAAAAOA/AAAAAAAA4D8AAAAAAADgPwAAAAAAAOA/AAAAAAAA4D8CAAAAjAAAAAAAAAAAAAAAT4G9DP///wgAAAAAAAAAAAAAAAAAAAAAAAAAAAAAAAAAAAAAZAAAAAEAAABAAAAAAAAAAAAAAAAAAAAAAAAAAAAAAAAAAAAAAAAAAAAAAAAAAAAAAAAAAAAAAAAAAAAAAAAAAAAAAAAAAAAAAAAAAAAAAAAAAAAAAAAAAAAAAAAAAAAAFAAAADwAAAAAAAAAAAAAAAAAAAkUAAAAAQAAABQAAAAUAAAAFAAAAAEAAAAAAAAAZAAAAGQAAAAAAAAAZAAAAGQAAAAVAAAAYAAAAAAAAAAAAAAADwAAACADAAAAAAAAAAAAAAEAAACgMgAAVgcAAKr4//8BAAAAf39/AAEAAABkAAAAAAAAABQAAABAHwAAAAAAACYAAAAAAAAAwOD//wAAAAAmAAAAZAAAABYAAABMAAAAAAAAAAAAAAAEAAAAAAAAAAEAAADu7OEKAAAAACgAAAAoAAAAZAAAAGQAAAAAAAAAzMzMAAAAAABQAAAAUAAAAGQAAABkAAAAAAAAABcAAAAUAAAAAAAAAAAAAAD/fwAA/38AAAAAAAAJAAAABAAAAD7o2aweAAAAaAAAAAAAAAAAAAAAAAAAAAAAAAAAAAAAECcAABAnAAAAAAAAAAAAAAAAAAAAAAAAAAAAAAAAAAAAAAAAAAAAABQAAAAAAAAAwMD/AAAAAABkAAAAMgAAAAAAAABkAAAAAAAAAH9/fwAKAAAAIgAAABgAAAAAAAAAAAAAAAAAAAAAAAAAAAAAAAAAAAAkAAAAJAAAAAAAAAAHAAAAAAAAAAAAAAAAAAAAAAAAAAAAAAAAAAAAf39/ACUAAABYAAAAAAAAAAAAAAAAAAAAAAAAAAAAAAAAAAAAAAAAAAAAAAAAAAAAAAAAAAAAAAA/AAAAAAAAAKCGAQAAAAAAAAAAAAAAAAAMAAAAAQAAAAAAAAAAAAAAAAAAAB8AAABUAAAAAAAABQAAAAEAAAAAAAAAAAAAAAAAAAAAAAAAAAAAAAAAAAAAAAAAAAAAAAJ/f38AAAAAA8zMzADAwP8Af39/AAAAAAAAAAAAAAAAAAAAAAAAAAAAIQAAABgAAAAUAAAAOBMAABonAAAIJQAAWSkAABAAAAAmAAAACAAAAAAAAAAAAAAA"/>
               </a:ext>
             </a:extLst>
           </p:cNvSpPr>
@@ -2438,7 +2439,7 @@
             <a:spLocks noGrp="1" noChangeArrowheads="1"/>
             <a:extLst>
               <a:ext uri="smNativeData">
-                <pr:smNativeData xmlns:pr="smNativeData" xmlns="smNativeData" val="SMDATA_15_JtjWYhMAAAAlAAAAZAAAAA0AAAAAkAAAAEgAAACQAAAASAAAAAAAAAABAAAAAAAAAAEAAABQAAAAAAAAAAAA4D8AAAAAAADgPwAAAAAAAOA/AAAAAAAA4D8AAAAAAADgPwAAAAAAAOA/AAAAAAAA4D8AAAAAAADgPwAAAAAAAOA/AAAAAAAA4D8CAAAAjAAAAAAAAAAAAAAAT4G9DP///wgAAAAAAAAAAAAAAAAAAAAAAAAAAAAAAAAAAAAAZAAAAAEAAABAAAAAAAAAAAAAAAAAAAAAAAAAAAAAAAAAAAAAAAAAAAAAAAAAAAAAAAAAAAAAAAAAAAAAAAAAAAAAAAAAAAAAAAAAAAAAAAAAAAAAAAAAAAAAAAAAAAAAFAAAADwAAAAAAAAAAAAAAAAAAAkUAAAAAQAAABQAAAAUAAAAFAAAAAEAAAAAAAAAZAAAAGQAAAAAAAAAZAAAAGQAAAAVAAAAYAAAAAAAAAAAAAAADwAAACADAAAAAAAAAAAAAAEAAACgMgAAVgcAAKr4//8BAAAAf39/AAEAAABkAAAAAAAAABQAAABAHwAAAAAAACYAAAAAAAAAwOD//wAAAAAmAAAAZAAAABYAAABMAAAAAAAAAAAAAAAEAAAAAAAAAAEAAADu7OEKAAAAACgAAAAoAAAAZAAAAGQAAAAAAAAAzMzMAAAAAABQAAAAUAAAAGQAAABkAAAAAAAAABcAAAAUAAAAAAAAAAAAAAD/fwAA/38AAAAAAAAJAAAABAAAAFRhcmceAAAAaAAAAAAAAAAAAAAAAAAAAAAAAAAAAAAAECcAABAnAAAAAAAAAAAAAAAAAAAAAAAAAAAAAAAAAAAAAAAAAAAAABQAAAAAAAAAwMD/AAAAAABkAAAAMgAAAAAAAABkAAAAAAAAAH9/fwAKAAAAIgAAABgAAAAAAAAAAAAAAAAAAAAAAAAAAAAAAAAAAAAkAAAAJAAAAAAAAAAHAAAAAAAAAAAAAAAAAAAAAAAAAAAAAAAAAAAAf39/ACUAAABYAAAAAAAAAAAAAAAAAAAAAAAAAAAAAAAAAAAAAAAAAAAAAAAAAAAAAAAAAAAAAAA/AAAAAAAAAKCGAQAAAAAAAAAAAAAAAAAMAAAAAQAAAAAAAAAAAAAAAAAAAB8AAABUAAAAAAAABQAAAAEAAAAAAAAAAAAAAAAAAAAAAAAAAAAAAAAAAAAAAAAAAAAAAAJ/f38AAAAAA8zMzADAwP8Af39/AAAAAAAAAAAAAAAAAAAAAAAAAAAAIQAAABgAAAAUAAAAUCgAABonAABwNQAAWSkAABAAAAAmAAAACAAAAAAAAAAAAAAA"/>
+                <pr:smNativeData xmlns:pr="smNativeData" xmlns="smNativeData" val="SMDATA_15_iunWYhMAAAAlAAAAZAAAAA0AAAAAkAAAAEgAAACQAAAASAAAAAAAAAABAAAAAAAAAAEAAABQAAAAAAAAAAAA4D8AAAAAAADgPwAAAAAAAOA/AAAAAAAA4D8AAAAAAADgPwAAAAAAAOA/AAAAAAAA4D8AAAAAAADgPwAAAAAAAOA/AAAAAAAA4D8CAAAAjAAAAAAAAAAAAAAAT4G9DP///wgAAAAAAAAAAAAAAAAAAAAAAAAAAAAAAAAAAAAAZAAAAAEAAABAAAAAAAAAAAAAAAAAAAAAAAAAAAAAAAAAAAAAAAAAAAAAAAAAAAAAAAAAAAAAAAAAAAAAAAAAAAAAAAAAAAAAAAAAAAAAAAAAAAAAAAAAAAAAAAAAAAAAFAAAADwAAAAAAAAAAAAAAAAAAAkUAAAAAQAAABQAAAAUAAAAFAAAAAEAAAAAAAAAZAAAAGQAAAAAAAAAZAAAAGQAAAAVAAAAYAAAAAAAAAAAAAAADwAAACADAAAAAAAAAAAAAAEAAACgMgAAVgcAAKr4//8BAAAAf39/AAEAAABkAAAAAAAAABQAAABAHwAAAAAAACYAAAAAAAAAwOD//wAAAAAmAAAAZAAAABYAAABMAAAAAAAAAAAAAAAEAAAAAAAAAAEAAADu7OEKAAAAACgAAAAoAAAAZAAAAGQAAAAAAAAAzMzMAAAAAABQAAAAUAAAAGQAAABkAAAAAAAAABcAAAAUAAAAAAAAAAAAAAD/fwAA/38AAAAAAAAJAAAABAAAAFRhcmceAAAAaAAAAAAAAAAAAAAAAAAAAAAAAAAAAAAAECcAABAnAAAAAAAAAAAAAAAAAAAAAAAAAAAAAAAAAAAAAAAAAAAAABQAAAAAAAAAwMD/AAAAAABkAAAAMgAAAAAAAABkAAAAAAAAAH9/fwAKAAAAIgAAABgAAAAAAAAAAAAAAAAAAAAAAAAAAAAAAAAAAAAkAAAAJAAAAAAAAAAHAAAAAAAAAAAAAAAAAAAAAAAAAAAAAAAAAAAAf39/ACUAAABYAAAAAAAAAAAAAAAAAAAAAAAAAAAAAAAAAAAAAAAAAAAAAAAAAAAAAAAAAAAAAAA/AAAAAAAAAKCGAQAAAAAAAAAAAAAAAAAMAAAAAQAAAAAAAAAAAAAAAAAAAB8AAABUAAAAAAAABQAAAAEAAAAAAAAAAAAAAAAAAAAAAAAAAAAAAAAAAAAAAAAAAAAAAAJ/f38AAAAAA8zMzADAwP8Af39/AAAAAAAAAAAAAAAAAAAAAAAAAAAAIQAAABgAAAAUAAAAUCgAABonAABwNQAAWSkAABAAAAAmAAAACAAAAAAAAAAAAAAA"/>
               </a:ext>
             </a:extLst>
           </p:cNvSpPr>
@@ -2454,7 +2455,7 @@
             <a:pPr>
               <a:defRPr lang="fr-fr"/>
             </a:pPr>
-            <a:fld id="{11D48B7D-33FC-817D-B26C-C528C5224490}" type="slidenum">
+            <a:fld id="{5AA8D02D-63B7-FD26-F910-95739E5E0FC0}" type="slidenum">
               <a:t>‹#›</a:t>
             </a:fld>
           </a:p>
@@ -2493,7 +2494,7 @@
             <a:spLocks noGrp="1" noChangeArrowheads="1"/>
             <a:extLst>
               <a:ext uri="smNativeData">
-                <pr:smNativeData xmlns:pr="smNativeData" xmlns="smNativeData" val="SMDATA_15_JtjWYhMAAAAlAAAAZAAAAA0AAAAAkAAAAEgAAACQAAAASAAAAAAAAAACAAAAAAAAAAEAAABQAAAAAAAAAAAA4D8AAAAAAADgPwAAAAAAAOA/AAAAAAAA4D8AAAAAAADgPwAAAAAAAOA/AAAAAAAA4D8AAAAAAADgPwAAAAAAAOA/AAAAAAAA4D8CAAAAjAAAAAAAAAAAAAAAT4G9DP///wgAAAAAAAAAAAAAAAAAAAAAAAAAAAAAAAAAAAAAZAAAAAEAAABAAAAAAAAAAAAAAAAAAAAAAAAAAAAAAAAAAAAAAAAAAAAAAAAAAAAAAAAAAAAAAAAAAAAAAAAAAAAAAAAAAAAAAAAAAAAAAAAAAAAAAAAAAAAAAAAAAAAAFAAAADwAAAAAAAAAAAAAAAAAAAkUAAAAAQAAABQAAAAUAAAAFAAAAAEAAAAAAAAAZAAAAGQAAAAAAAAAZAAAAGQAAAAVAAAAYAAAAAAAAAAAAAAADwAAACADAAAAAAAAAAAAAAEAAACgMgAAVgcAAKr4//8BAAAAf39/AAEAAABkAAAAAAAAABQAAABAHwAAAAAAACYAAAAAAAAAwOD//wAAAAAmAAAAZAAAABYAAABMAAAAAAAAAAAAAAAEAAAAAAAAAAEAAADu7OEKAAAAACgAAAAoAAAAZAAAAGQAAAAAAAAAzMzMAAAAAABQAAAAUAAAAGQAAABkAAAAAAAAABcAAAAUAAAAAAAAAAAAAAD/fwAA/38AAAAAAAAJAAAABAAAACBgyAIeAAAAaAAAAAAAAAAAAAAAAAAAAAAAAAAAAAAAECcAABAnAAAAAAAAAAAAAAAAAAAAAAAAAAAAAAAAAAAAAAAAAAAAABQAAAAAAAAAwMD/AAAAAABkAAAAMgAAAAAAAABkAAAAAAAAAH9/fwAKAAAAIgAAABgAAAAAAAAAAAAAAAAAAAAAAAAAAAAAAAAAAAAkAAAAJAAAAAAAAAAHAAAAAAAAAAAAAAAAAAAAAAAAAAAAAAAAAAAAf39/ACUAAABYAAAAAAAAAAAAAAAAAAAAAAAAAAAAAAAAAAAAAAAAAAAAAAAAAAAAAAAAAAAAAAA/AAAAAAAAAKCGAQAAAAAAAAAAAAAAAAAMAAAAAQAAAAAAAAAAAAAAAAAAAB8AAABUAAAAAAAABQAAAAEAAAAAAAAAAAAAAAAAAAAAAAAAAAAAAAAAAAAAAAAAAAAAAAJ/f38AAAAAA8zMzADAwP8Af39/AAAAAAAAAAAAAAAAAAAAAAAAAAAAIQAAABgAAAAUAAAA0AIAAK4BAABSFQAA1AgAABAAAAAmAAAACAAAAIGAAAAAAAAA"/>
+                <pr:smNativeData xmlns:pr="smNativeData" xmlns="smNativeData" val="SMDATA_15_iunWYhMAAAAlAAAAZAAAAA0AAAAAkAAAAEgAAACQAAAASAAAAAAAAAACAAAAAAAAAAEAAABQAAAAAAAAAAAA4D8AAAAAAADgPwAAAAAAAOA/AAAAAAAA4D8AAAAAAADgPwAAAAAAAOA/AAAAAAAA4D8AAAAAAADgPwAAAAAAAOA/AAAAAAAA4D8CAAAAjAAAAAAAAAAAAAAAT4G9DP///wgAAAAAAAAAAAAAAAAAAAAAAAAAAAAAAAAAAAAAZAAAAAEAAABAAAAAAAAAAAAAAAAAAAAAAAAAAAAAAAAAAAAAAAAAAAAAAAAAAAAAAAAAAAAAAAAAAAAAAAAAAAAAAAAAAAAAAAAAAAAAAAAAAAAAAAAAAAAAAAAAAAAAFAAAADwAAAAAAAAAAAAAAAAAAAkUAAAAAQAAABQAAAAUAAAAFAAAAAEAAAAAAAAAZAAAAGQAAAAAAAAAZAAAAGQAAAAVAAAAYAAAAAAAAAAAAAAADwAAACADAAAAAAAAAAAAAAEAAACgMgAAVgcAAKr4//8BAAAAf39/AAEAAABkAAAAAAAAABQAAABAHwAAAAAAACYAAAAAAAAAwOD//wAAAAAmAAAAZAAAABYAAABMAAAAAAAAAAAAAAAEAAAAAAAAAAEAAADu7OEKAAAAACgAAAAoAAAAZAAAAGQAAAAAAAAAzMzMAAAAAABQAAAAUAAAAGQAAABkAAAAAAAAABcAAAAUAAAAAAAAAAAAAAD/fwAA/38AAAAAAAAJAAAABAAAACBgyAIeAAAAaAAAAAAAAAAAAAAAAAAAAAAAAAAAAAAAECcAABAnAAAAAAAAAAAAAAAAAAAAAAAAAAAAAAAAAAAAAAAAAAAAABQAAAAAAAAAwMD/AAAAAABkAAAAMgAAAAAAAABkAAAAAAAAAH9/fwAKAAAAIgAAABgAAAAAAAAAAAAAAAAAAAAAAAAAAAAAAAAAAAAkAAAAJAAAAAAAAAAHAAAAAAAAAAAAAAAAAAAAAAAAAAAAAAAAAAAAf39/ACUAAABYAAAAAAAAAAAAAAAAAAAAAAAAAAAAAAAAAAAAAAAAAAAAAAAAAAAAAAAAAAAAAAA/AAAAAAAAAKCGAQAAAAAAAAAAAAAAAAAMAAAAAQAAAAAAAAAAAAAAAAAAAB8AAABUAAAAAAAABQAAAAEAAAAAAAAAAAAAAAAAAAAAAAAAAAAAAAAAAAAAAAAAAAAAAAJ/f38AAAAAA8zMzADAwP8Af39/AAAAAAAAAAAAAAAAAAAAAAAAAAAAIQAAABgAAAAUAAAA0AIAAK4BAABSFQAA1AgAABAAAAAmAAAACAAAAIGAAAAAAAAA"/>
               </a:ext>
             </a:extLst>
           </p:cNvSpPr>
@@ -2559,7 +2560,7 @@
             <a:spLocks noGrp="1" noChangeArrowheads="1"/>
             <a:extLst>
               <a:ext uri="smNativeData">
-                <pr:smNativeData xmlns:pr="smNativeData" xmlns="smNativeData" val="SMDATA_15_JtjWYhMAAAAlAAAAZAAAAA0AAAAAkAAAAEgAAACQAAAASAAAAAAAAAAAAAAAAAAAAAEAAABQAAAAAAAAAAAA4D8AAAAAAADgPwAAAAAAAOA/AAAAAAAA4D8AAAAAAADgPwAAAAAAAOA/AAAAAAAA4D8AAAAAAADgPwAAAAAAAOA/AAAAAAAA4D8CAAAAjAAAAAAAAAAAAAAAT4G9DP///wgAAAAAAAAAAAAAAAAAAAAAAAAAAAAAAAAAAAAAZAAAAAEAAABAAAAAAAAAAAAAAAAAAAAAAAAAAAAAAAAAAAAAAAAAAAAAAAAAAAAAAAAAAAAAAAAAAAAAAAAAAAAAAAAAAAAAAAAAAAAAAAAAAAAAAAAAAAAAAAAAAAAAFAAAADwAAAAAAAAAAAAAAAAAAAkUAAAAAQAAABQAAAAUAAAAFAAAAAEAAAAAAAAAZAAAAGQAAAAAAAAAZAAAAGQAAAAVAAAAYAAAAAAAAAAAAAAADwAAACADAAAAAAAAAAAAAAEAAACgMgAAVgcAAKr4//8BAAAAf39/AAEAAABkAAAAAAAAABQAAABAHwAAAAAAACYAAAAAAAAAwOD//wAAAAAmAAAAZAAAABYAAABMAAAAAAAAAAAAAAAEAAAAAAAAAAEAAADu7OEKAAAAACgAAAAoAAAAZAAAAGQAAAAAAAAAzMzMAAAAAABQAAAAUAAAAGQAAABkAAAAAAAAABcAAAAUAAAAAAAAAAAAAAD/fwAA/38AAAAAAAAJAAAABAAAAAAAAAAeAAAAaAAAAAAAAAAAAAAAAAAAAAAAAAAAAAAAECcAABAnAAAAAAAAAAAAAAAAAAAAAAAAAAAAAAAAAAAAAAAAAAAAABQAAAAAAAAAwMD/AAAAAABkAAAAMgAAAAAAAABkAAAAAAAAAH9/fwAKAAAAIgAAABgAAAAAAAAAAAAAAAAAAAAAAAAAAAAAAAAAAAAkAAAAJAAAAAAAAAAHAAAAAAAAAAAAAAAAAAAAAAAAAAAAAAAAAAAAf39/ACUAAABYAAAAAAAAAAAAAAAAAAAAAAAAAAAAAAAAAAAAAAAAAAAAAAAAAAAAAAAAAAAAAAA/AAAAAAAAAKCGAQAAAAAAAAAAAAAAAAAMAAAAAQAAAAAAAAAAAAAAAAAAAB8AAABUAAAAAAAABQAAAAEAAAAAAAAAAAAAAAAAAAAAAAAAAAAAAAAAAAAAAAAAAAAAAAJ/f38AAAAAA8zMzADAwP8Af39/AAAAAAAAAAAAAAAAAAAAAAAAAAAAIQAAABgAAAAUAAAA/hUAAK4BAABwNQAAsCUAABAAAAAmAAAACAAAAAGAAAAAAAAA"/>
+                <pr:smNativeData xmlns:pr="smNativeData" xmlns="smNativeData" val="SMDATA_15_iunWYhMAAAAlAAAAZAAAAA0AAAAAkAAAAEgAAACQAAAASAAAAAAAAAAAAAAAAAAAAAEAAABQAAAAAAAAAAAA4D8AAAAAAADgPwAAAAAAAOA/AAAAAAAA4D8AAAAAAADgPwAAAAAAAOA/AAAAAAAA4D8AAAAAAADgPwAAAAAAAOA/AAAAAAAA4D8CAAAAjAAAAAAAAAAAAAAAT4G9DP///wgAAAAAAAAAAAAAAAAAAAAAAAAAAAAAAAAAAAAAZAAAAAEAAABAAAAAAAAAAAAAAAAAAAAAAAAAAAAAAAAAAAAAAAAAAAAAAAAAAAAAAAAAAAAAAAAAAAAAAAAAAAAAAAAAAAAAAAAAAAAAAAAAAAAAAAAAAAAAAAAAAAAAFAAAADwAAAAAAAAAAAAAAAAAAAkUAAAAAQAAABQAAAAUAAAAFAAAAAEAAAAAAAAAZAAAAGQAAAAAAAAAZAAAAGQAAAAVAAAAYAAAAAAAAAAAAAAADwAAACADAAAAAAAAAAAAAAEAAACgMgAAVgcAAKr4//8BAAAAf39/AAEAAABkAAAAAAAAABQAAABAHwAAAAAAACYAAAAAAAAAwOD//wAAAAAmAAAAZAAAABYAAABMAAAAAAAAAAAAAAAEAAAAAAAAAAEAAADu7OEKAAAAACgAAAAoAAAAZAAAAGQAAAAAAAAAzMzMAAAAAABQAAAAUAAAAGQAAABkAAAAAAAAABcAAAAUAAAAAAAAAAAAAAD/fwAA/38AAAAAAAAJAAAABAAAAAAAAAAeAAAAaAAAAAAAAAAAAAAAAAAAAAAAAAAAAAAAECcAABAnAAAAAAAAAAAAAAAAAAAAAAAAAAAAAAAAAAAAAAAAAAAAABQAAAAAAAAAwMD/AAAAAABkAAAAMgAAAAAAAABkAAAAAAAAAH9/fwAKAAAAIgAAABgAAAAAAAAAAAAAAAAAAAAAAAAAAAAAAAAAAAAkAAAAJAAAAAAAAAAHAAAAAAAAAAAAAAAAAAAAAAAAAAAAAAAAAAAAf39/ACUAAABYAAAAAAAAAAAAAAAAAAAAAAAAAAAAAAAAAAAAAAAAAAAAAAAAAAAAAAAAAAAAAAA/AAAAAAAAAKCGAQAAAAAAAAAAAAAAAAAMAAAAAQAAAAAAAAAAAAAAAAAAAB8AAABUAAAAAAAABQAAAAEAAAAAAAAAAAAAAAAAAAAAAAAAAAAAAAAAAAAAAAAAAAAAAAJ/f38AAAAAA8zMzADAwP8Af39/AAAAAAAAAAAAAAAAAAAAAAAAAAAAIQAAABgAAAAUAAAA/hUAAK4BAABwNQAAsCUAABAAAAAmAAAACAAAAAGAAAAAAAAA"/>
               </a:ext>
             </a:extLst>
           </p:cNvSpPr>
@@ -2653,7 +2654,7 @@
             <a:spLocks noGrp="1" noChangeArrowheads="1"/>
             <a:extLst>
               <a:ext uri="smNativeData">
-                <pr:smNativeData xmlns:pr="smNativeData" xmlns="smNativeData" val="SMDATA_15_JtjWYhMAAAAlAAAAZAAAAA0AAAAAkAAAAEgAAACQAAAASAAAAAAAAAAAAAAAAAAAAAEAAABQAAAAAAAAAAAA4D8AAAAAAADgPwAAAAAAAOA/AAAAAAAA4D8AAAAAAADgPwAAAAAAAOA/AAAAAAAA4D8AAAAAAADgPwAAAAAAAOA/AAAAAAAA4D8CAAAAjAAAAAAAAAAAAAAAT4G9DP///wgAAAAAAAAAAAAAAAAAAAAAAAAAAAAAAAAAAAAAZAAAAAEAAABAAAAAAAAAAAAAAAAAAAAAAAAAAAAAAAAAAAAAAAAAAAAAAAAAAAAAAAAAAAAAAAAAAAAAAAAAAAAAAAAAAAAAAAAAAAAAAAAAAAAAAAAAAAAAAAAAAAAAFAAAADwAAAAAAAAAAAAAAAAAAAkUAAAAAQAAABQAAAAUAAAAFAAAAAEAAAAAAAAAZAAAAGQAAAAAAAAAZAAAAGQAAAAVAAAAYAAAAAAAAAAAAAAADwAAACADAAAAAAAAAAAAAAEAAACgMgAAVgcAAKr4//8BAAAAf39/AAEAAABkAAAAAAAAABQAAABAHwAAAAAAACYAAAAAAAAAwOD//wAAAAAmAAAAZAAAABYAAABMAAAAAAAAAAAAAAAEAAAAAAAAAAEAAADu7OEKAAAAACgAAAAoAAAAZAAAAGQAAAAAAAAAzMzMAAAAAABQAAAAUAAAAGQAAABkAAAAAAAAABcAAAAUAAAAAAAAAAAAAAD/fwAA/38AAAAAAAAJAAAABAAAAG9GaWweAAAAaAAAAAAAAAAAAAAAAAAAAAAAAAAAAAAAECcAABAnAAAAAAAAAAAAAAAAAAAAAAAAAAAAAAAAAAAAAAAAAAAAABQAAAAAAAAAwMD/AAAAAABkAAAAMgAAAAAAAABkAAAAAAAAAH9/fwAKAAAAIgAAABgAAAAAAAAAAAAAAAAAAAAAAAAAAAAAAAAAAAAkAAAAJAAAAAAAAAAHAAAAAAAAAAAAAAAAAAAAAAAAAAAAAAAAAAAAf39/ACUAAABYAAAAAAAAAAAAAAAAAAAAAAAAAAAAAAAAAAAAAAAAAAAAAAAAAAAAAAAAAAAAAAA/AAAAAAAAAKCGAQAAAAAAAAAAAAAAAAAMAAAAAQAAAAAAAAAAAAAAAAAAAB8AAABUAAAAAAAABQAAAAEAAAAAAAAAAAAAAAAAAAAAAAAAAAAAAAAAAAAAAAAAAAAAAAJ/f38AAAAAA8zMzADAwP8Af39/AAAAAAAAAAAAAAAAAAAAAAAAAAAAIQAAABgAAAAUAAAA0AIAANQIAABSFQAAsCUAABAAAAAmAAAACAAAAAGAAAAAAAAA"/>
+                <pr:smNativeData xmlns:pr="smNativeData" xmlns="smNativeData" val="SMDATA_15_iunWYhMAAAAlAAAAZAAAAA0AAAAAkAAAAEgAAACQAAAASAAAAAAAAAAAAAAAAAAAAAEAAABQAAAAAAAAAAAA4D8AAAAAAADgPwAAAAAAAOA/AAAAAAAA4D8AAAAAAADgPwAAAAAAAOA/AAAAAAAA4D8AAAAAAADgPwAAAAAAAOA/AAAAAAAA4D8CAAAAjAAAAAAAAAAAAAAAT4G9DP///wgAAAAAAAAAAAAAAAAAAAAAAAAAAAAAAAAAAAAAZAAAAAEAAABAAAAAAAAAAAAAAAAAAAAAAAAAAAAAAAAAAAAAAAAAAAAAAAAAAAAAAAAAAAAAAAAAAAAAAAAAAAAAAAAAAAAAAAAAAAAAAAAAAAAAAAAAAAAAAAAAAAAAFAAAADwAAAAAAAAAAAAAAAAAAAkUAAAAAQAAABQAAAAUAAAAFAAAAAEAAAAAAAAAZAAAAGQAAAAAAAAAZAAAAGQAAAAVAAAAYAAAAAAAAAAAAAAADwAAACADAAAAAAAAAAAAAAEAAACgMgAAVgcAAKr4//8BAAAAf39/AAEAAABkAAAAAAAAABQAAABAHwAAAAAAACYAAAAAAAAAwOD//wAAAAAmAAAAZAAAABYAAABMAAAAAAAAAAAAAAAEAAAAAAAAAAEAAADu7OEKAAAAACgAAAAoAAAAZAAAAGQAAAAAAAAAzMzMAAAAAABQAAAAUAAAAGQAAABkAAAAAAAAABcAAAAUAAAAAAAAAAAAAAD/fwAA/38AAAAAAAAJAAAABAAAAG9GaWweAAAAaAAAAAAAAAAAAAAAAAAAAAAAAAAAAAAAECcAABAnAAAAAAAAAAAAAAAAAAAAAAAAAAAAAAAAAAAAAAAAAAAAABQAAAAAAAAAwMD/AAAAAABkAAAAMgAAAAAAAABkAAAAAAAAAH9/fwAKAAAAIgAAABgAAAAAAAAAAAAAAAAAAAAAAAAAAAAAAAAAAAAkAAAAJAAAAAAAAAAHAAAAAAAAAAAAAAAAAAAAAAAAAAAAAAAAAAAAf39/ACUAAABYAAAAAAAAAAAAAAAAAAAAAAAAAAAAAAAAAAAAAAAAAAAAAAAAAAAAAAAAAAAAAAA/AAAAAAAAAKCGAQAAAAAAAAAAAAAAAAAMAAAAAQAAAAAAAAAAAAAAAAAAAB8AAABUAAAAAAAABQAAAAEAAAAAAAAAAAAAAAAAAAAAAAAAAAAAAAAAAAAAAAAAAAAAAAJ/f38AAAAAA8zMzADAwP8Af39/AAAAAAAAAAAAAAAAAAAAAAAAAAAAIQAAABgAAAAUAAAA0AIAANQIAABSFQAAsCUAABAAAAAmAAAACAAAAAGAAAAAAAAA"/>
               </a:ext>
             </a:extLst>
           </p:cNvSpPr>
@@ -2724,7 +2725,7 @@
             <a:spLocks noGrp="1" noChangeArrowheads="1"/>
             <a:extLst>
               <a:ext uri="smNativeData">
-                <pr:smNativeData xmlns:pr="smNativeData" xmlns="smNativeData" val="SMDATA_15_JtjWYhMAAAAlAAAAZAAAAA0AAAAAkAAAAEgAAACQAAAASAAAAAAAAAABAAAAAAAAAAEAAABQAAAAAAAAAAAA4D8AAAAAAADgPwAAAAAAAOA/AAAAAAAA4D8AAAAAAADgPwAAAAAAAOA/AAAAAAAA4D8AAAAAAADgPwAAAAAAAOA/AAAAAAAA4D8CAAAAjAAAAAAAAAAAAAAAT4G9DP///wgAAAAAAAAAAAAAAAAAAAAAAAAAAAAAAAAAAAAAZAAAAAEAAABAAAAAAAAAAAAAAAAAAAAAAAAAAAAAAAAAAAAAAAAAAAAAAAAAAAAAAAAAAAAAAAAAAAAAAAAAAAAAAAAAAAAAAAAAAAAAAAAAAAAAAAAAAAAAAAAAAAAAFAAAADwAAAAAAAAAAAAAAAAAAAkUAAAAAQAAABQAAAAUAAAAFAAAAAEAAAAAAAAAZAAAAGQAAAAAAAAAZAAAAGQAAAAVAAAAYAAAAAAAAAAAAAAADwAAACADAAAAAAAAAAAAAAEAAACgMgAAVgcAAKr4//8BAAAAf39/AAEAAABkAAAAAAAAABQAAABAHwAAAAAAACYAAAAAAAAAwOD//wAAAAAmAAAAZAAAABYAAABMAAAAAAAAAAAAAAAEAAAAAAAAAAEAAADu7OEKAAAAACgAAAAoAAAAZAAAAGQAAAAAAAAAzMzMAAAAAABQAAAAUAAAAGQAAABkAAAAAAAAABcAAAAUAAAAAAAAAAAAAAD/fwAA/38AAAAAAAAJAAAABAAAAFC0XBUeAAAAaAAAAAAAAAAAAAAAAAAAAAAAAAAAAAAAECcAABAnAAAAAAAAAAAAAAAAAAAAAAAAAAAAAAAAAAAAAAAAAAAAABQAAAAAAAAAwMD/AAAAAABkAAAAMgAAAAAAAABkAAAAAAAAAH9/fwAKAAAAIgAAABgAAAAAAAAAAAAAAAAAAAAAAAAAAAAAAAAAAAAkAAAAJAAAAAAAAAAHAAAAAAAAAAAAAAAAAAAAAAAAAAAAAAAAAAAAf39/ACUAAABYAAAAAAAAAAAAAAAAAAAAAAAAAAAAAAAAAAAAAAAAAAAAAAAAAAAAAAAAAAAAAAA/AAAAAAAAAKCGAQAAAAAAAAAAAAAAAAAMAAAAAQAAAAAAAAAAAAAAAAAAAB8AAABUAAAAAAAABQAAAAEAAAAAAAAAAAAAAAAAAAAAAAAAAAAAAAAAAAAAAAAAAAAAAAJ/f38AAAAAA8zMzADAwP8Af39/AAAAAAAAAAAAAAAAAAAAAAAAAAAAIQAAABgAAAAUAAAA0AIAABonAADwDwAAWSkAABAAAAAmAAAACAAAAAAAAAAAAAAA"/>
+                <pr:smNativeData xmlns:pr="smNativeData" xmlns="smNativeData" val="SMDATA_15_iunWYhMAAAAlAAAAZAAAAA0AAAAAkAAAAEgAAACQAAAASAAAAAAAAAABAAAAAAAAAAEAAABQAAAAAAAAAAAA4D8AAAAAAADgPwAAAAAAAOA/AAAAAAAA4D8AAAAAAADgPwAAAAAAAOA/AAAAAAAA4D8AAAAAAADgPwAAAAAAAOA/AAAAAAAA4D8CAAAAjAAAAAAAAAAAAAAAT4G9DP///wgAAAAAAAAAAAAAAAAAAAAAAAAAAAAAAAAAAAAAZAAAAAEAAABAAAAAAAAAAAAAAAAAAAAAAAAAAAAAAAAAAAAAAAAAAAAAAAAAAAAAAAAAAAAAAAAAAAAAAAAAAAAAAAAAAAAAAAAAAAAAAAAAAAAAAAAAAAAAAAAAAAAAFAAAADwAAAAAAAAAAAAAAAAAAAkUAAAAAQAAABQAAAAUAAAAFAAAAAEAAAAAAAAAZAAAAGQAAAAAAAAAZAAAAGQAAAAVAAAAYAAAAAAAAAAAAAAADwAAACADAAAAAAAAAAAAAAEAAACgMgAAVgcAAKr4//8BAAAAf39/AAEAAABkAAAAAAAAABQAAABAHwAAAAAAACYAAAAAAAAAwOD//wAAAAAmAAAAZAAAABYAAABMAAAAAAAAAAAAAAAEAAAAAAAAAAEAAADu7OEKAAAAACgAAAAoAAAAZAAAAGQAAAAAAAAAzMzMAAAAAABQAAAAUAAAAGQAAABkAAAAAAAAABcAAAAUAAAAAAAAAAAAAAD/fwAA/38AAAAAAAAJAAAABAAAAFC0XBUeAAAAaAAAAAAAAAAAAAAAAAAAAAAAAAAAAAAAECcAABAnAAAAAAAAAAAAAAAAAAAAAAAAAAAAAAAAAAAAAAAAAAAAABQAAAAAAAAAwMD/AAAAAABkAAAAMgAAAAAAAABkAAAAAAAAAH9/fwAKAAAAIgAAABgAAAAAAAAAAAAAAAAAAAAAAAAAAAAAAAAAAAAkAAAAJAAAAAAAAAAHAAAAAAAAAAAAAAAAAAAAAAAAAAAAAAAAAAAAf39/ACUAAABYAAAAAAAAAAAAAAAAAAAAAAAAAAAAAAAAAAAAAAAAAAAAAAAAAAAAAAAAAAAAAAA/AAAAAAAAAKCGAQAAAAAAAAAAAAAAAAAMAAAAAQAAAAAAAAAAAAAAAAAAAB8AAABUAAAAAAAABQAAAAEAAAAAAAAAAAAAAAAAAAAAAAAAAAAAAAAAAAAAAAAAAAAAAAJ/f38AAAAAA8zMzADAwP8Af39/AAAAAAAAAAAAAAAAAAAAAAAAAAAAIQAAABgAAAAUAAAA0AIAABonAADwDwAAWSkAABAAAAAmAAAACAAAAAAAAAAAAAAA"/>
               </a:ext>
             </a:extLst>
           </p:cNvSpPr>
@@ -2740,7 +2741,7 @@
             <a:pPr>
               <a:defRPr lang="fr-fr"/>
             </a:pPr>
-            <a:fld id="{0260137A-34EF-35E5-A1D8-C2B05D965797}" type="datetime1">
+            <a:fld id="{193F1ADB-95F4-6AEC-BA87-63B954C94C36}" type="datetime1">
               <a:t>1/04/15</a:t>
             </a:fld>
           </a:p>
@@ -2753,7 +2754,7 @@
             <a:spLocks noGrp="1" noChangeArrowheads="1"/>
             <a:extLst>
               <a:ext uri="smNativeData">
-                <pr:smNativeData xmlns:pr="smNativeData" xmlns="smNativeData" val="SMDATA_15_JtjWYhMAAAAlAAAAZAAAAA0AAAAAkAAAAEgAAACQAAAASAAAAAAAAAABAAAAAAAAAAEAAABQAAAAAAAAAAAA4D8AAAAAAADgPwAAAAAAAOA/AAAAAAAA4D8AAAAAAADgPwAAAAAAAOA/AAAAAAAA4D8AAAAAAADgPwAAAAAAAOA/AAAAAAAA4D8CAAAAjAAAAAAAAAAAAAAAT4G9DP///wgAAAAAAAAAAAAAAAAAAAAAAAAAAAAAAAAAAAAAZAAAAAEAAABAAAAAAAAAAAAAAAAAAAAAAAAAAAAAAAAAAAAAAAAAAAAAAAAAAAAAAAAAAAAAAAAAAAAAAAAAAAAAAAAAAAAAAAAAAAAAAAAAAAAAAAAAAAAAAAAAAAAAFAAAADwAAAAAAAAAAAAAAAAAAAkUAAAAAQAAABQAAAAUAAAAFAAAAAEAAAAAAAAAZAAAAGQAAAAAAAAAZAAAAGQAAAAVAAAAYAAAAAAAAAAAAAAADwAAACADAAAAAAAAAAAAAAEAAACgMgAAVgcAAKr4//8BAAAAf39/AAEAAABkAAAAAAAAABQAAABAHwAAAAAAACYAAAAAAAAAwOD//wAAAAAmAAAAZAAAABYAAABMAAAAAAAAAAAAAAAEAAAAAAAAAAEAAADu7OEKAAAAACgAAAAoAAAAZAAAAGQAAAAAAAAAzMzMAAAAAABQAAAAUAAAAGQAAABkAAAAAAAAABcAAAAUAAAAAAAAAAAAAAD/fwAA/38AAAAAAAAJAAAABAAAABB7SpceAAAAaAAAAAAAAAAAAAAAAAAAAAAAAAAAAAAAECcAABAnAAAAAAAAAAAAAAAAAAAAAAAAAAAAAAAAAAAAAAAAAAAAABQAAAAAAAAAwMD/AAAAAABkAAAAMgAAAAAAAABkAAAAAAAAAH9/fwAKAAAAIgAAABgAAAAAAAAAAAAAAAAAAAAAAAAAAAAAAAAAAAAkAAAAJAAAAAAAAAAHAAAAAAAAAAAAAAAAAAAAAAAAAAAAAAAAAAAAf39/ACUAAABYAAAAAAAAAAAAAAAAAAAAAAAAAAAAAAAAAAAAAAAAAAAAAAAAAAAAAAAAAAAAAAA/AAAAAAAAAKCGAQAAAAAAAAAAAAAAAAAMAAAAAQAAAAAAAAAAAAAAAAAAAB8AAABUAAAAAAAABQAAAAEAAAAAAAAAAAAAAAAAAAAAAAAAAAAAAAAAAAAAAAAAAAAAAAJ/f38AAAAAA8zMzADAwP8Af39/AAAAAAAAAAAAAAAAAAAAAAAAAAAAIQAAABgAAAAUAAAAOBMAABonAAAIJQAAWSkAABAAAAAmAAAACAAAAAAAAAAAAAAA"/>
+                <pr:smNativeData xmlns:pr="smNativeData" xmlns="smNativeData" val="SMDATA_15_iunWYhMAAAAlAAAAZAAAAA0AAAAAkAAAAEgAAACQAAAASAAAAAAAAAABAAAAAAAAAAEAAABQAAAAAAAAAAAA4D8AAAAAAADgPwAAAAAAAOA/AAAAAAAA4D8AAAAAAADgPwAAAAAAAOA/AAAAAAAA4D8AAAAAAADgPwAAAAAAAOA/AAAAAAAA4D8CAAAAjAAAAAAAAAAAAAAAT4G9DP///wgAAAAAAAAAAAAAAAAAAAAAAAAAAAAAAAAAAAAAZAAAAAEAAABAAAAAAAAAAAAAAAAAAAAAAAAAAAAAAAAAAAAAAAAAAAAAAAAAAAAAAAAAAAAAAAAAAAAAAAAAAAAAAAAAAAAAAAAAAAAAAAAAAAAAAAAAAAAAAAAAAAAAFAAAADwAAAAAAAAAAAAAAAAAAAkUAAAAAQAAABQAAAAUAAAAFAAAAAEAAAAAAAAAZAAAAGQAAAAAAAAAZAAAAGQAAAAVAAAAYAAAAAAAAAAAAAAADwAAACADAAAAAAAAAAAAAAEAAACgMgAAVgcAAKr4//8BAAAAf39/AAEAAABkAAAAAAAAABQAAABAHwAAAAAAACYAAAAAAAAAwOD//wAAAAAmAAAAZAAAABYAAABMAAAAAAAAAAAAAAAEAAAAAAAAAAEAAADu7OEKAAAAACgAAAAoAAAAZAAAAGQAAAAAAAAAzMzMAAAAAABQAAAAUAAAAGQAAABkAAAAAAAAABcAAAAUAAAAAAAAAAAAAAD/fwAA/38AAAAAAAAJAAAABAAAABB7SpceAAAAaAAAAAAAAAAAAAAAAAAAAAAAAAAAAAAAECcAABAnAAAAAAAAAAAAAAAAAAAAAAAAAAAAAAAAAAAAAAAAAAAAABQAAAAAAAAAwMD/AAAAAABkAAAAMgAAAAAAAABkAAAAAAAAAH9/fwAKAAAAIgAAABgAAAAAAAAAAAAAAAAAAAAAAAAAAAAAAAAAAAAkAAAAJAAAAAAAAAAHAAAAAAAAAAAAAAAAAAAAAAAAAAAAAAAAAAAAf39/ACUAAABYAAAAAAAAAAAAAAAAAAAAAAAAAAAAAAAAAAAAAAAAAAAAAAAAAAAAAAAAAAAAAAA/AAAAAAAAAKCGAQAAAAAAAAAAAAAAAAAMAAAAAQAAAAAAAAAAAAAAAAAAAB8AAABUAAAAAAAABQAAAAEAAAAAAAAAAAAAAAAAAAAAAAAAAAAAAAAAAAAAAAAAAAAAAAJ/f38AAAAAA8zMzADAwP8Af39/AAAAAAAAAAAAAAAAAAAAAAAAAAAAIQAAABgAAAAUAAAAOBMAABonAAAIJQAAWSkAABAAAAAmAAAACAAAAAAAAAAAAAAA"/>
               </a:ext>
             </a:extLst>
           </p:cNvSpPr>
@@ -2779,7 +2780,7 @@
             <a:spLocks noGrp="1" noChangeArrowheads="1"/>
             <a:extLst>
               <a:ext uri="smNativeData">
-                <pr:smNativeData xmlns:pr="smNativeData" xmlns="smNativeData" val="SMDATA_15_JtjWYhMAAAAlAAAAZAAAAA0AAAAAkAAAAEgAAACQAAAASAAAAAAAAAABAAAAAAAAAAEAAABQAAAAAAAAAAAA4D8AAAAAAADgPwAAAAAAAOA/AAAAAAAA4D8AAAAAAADgPwAAAAAAAOA/AAAAAAAA4D8AAAAAAADgPwAAAAAAAOA/AAAAAAAA4D8CAAAAjAAAAAAAAAAAAAAAT4G9DP///wgAAAAAAAAAAAAAAAAAAAAAAAAAAAAAAAAAAAAAZAAAAAEAAABAAAAAAAAAAAAAAAAAAAAAAAAAAAAAAAAAAAAAAAAAAAAAAAAAAAAAAAAAAAAAAAAAAAAAAAAAAAAAAAAAAAAAAAAAAAAAAAAAAAAAAAAAAAAAAAAAAAAAFAAAADwAAAAAAAAAAAAAAAAAAAkUAAAAAQAAABQAAAAUAAAAFAAAAAEAAAAAAAAAZAAAAGQAAAAAAAAAZAAAAGQAAAAVAAAAYAAAAAAAAAAAAAAADwAAACADAAAAAAAAAAAAAAEAAACgMgAAVgcAAKr4//8BAAAAf39/AAEAAABkAAAAAAAAABQAAABAHwAAAAAAACYAAAAAAAAAwOD//wAAAAAmAAAAZAAAABYAAABMAAAAAAAAAAAAAAAEAAAAAAAAAAEAAADu7OEKAAAAACgAAAAoAAAAZAAAAGQAAAAAAAAAzMzMAAAAAABQAAAAUAAAAGQAAABkAAAAAAAAABcAAAAUAAAAAAAAAAAAAAD/fwAA/38AAAAAAAAJAAAABAAAAFRhcmceAAAAaAAAAAAAAAAAAAAAAAAAAAAAAAAAAAAAECcAABAnAAAAAAAAAAAAAAAAAAAAAAAAAAAAAAAAAAAAAAAAAAAAABQAAAAAAAAAwMD/AAAAAABkAAAAMgAAAAAAAABkAAAAAAAAAH9/fwAKAAAAIgAAABgAAAAAAAAAAAAAAAAAAAAAAAAAAAAAAAAAAAAkAAAAJAAAAAAAAAAHAAAAAAAAAAAAAAAAAAAAAAAAAAAAAAAAAAAAf39/ACUAAABYAAAAAAAAAAAAAAAAAAAAAAAAAAAAAAAAAAAAAAAAAAAAAAAAAAAAAAAAAAAAAAA/AAAAAAAAAKCGAQAAAAAAAAAAAAAAAAAMAAAAAQAAAAAAAAAAAAAAAAAAAB8AAABUAAAAAAAABQAAAAEAAAAAAAAAAAAAAAAAAAAAAAAAAAAAAAAAAAAAAAAAAAAAAAJ/f38AAAAAA8zMzADAwP8Af39/AAAAAAAAAAAAAAAAAAAAAAAAAAAAIQAAABgAAAAUAAAAUCgAABonAABwNQAAWSkAABAAAAAmAAAACAAAAAAAAAAAAAAA"/>
+                <pr:smNativeData xmlns:pr="smNativeData" xmlns="smNativeData" val="SMDATA_15_iunWYhMAAAAlAAAAZAAAAA0AAAAAkAAAAEgAAACQAAAASAAAAAAAAAABAAAAAAAAAAEAAABQAAAAAAAAAAAA4D8AAAAAAADgPwAAAAAAAOA/AAAAAAAA4D8AAAAAAADgPwAAAAAAAOA/AAAAAAAA4D8AAAAAAADgPwAAAAAAAOA/AAAAAAAA4D8CAAAAjAAAAAAAAAAAAAAAT4G9DP///wgAAAAAAAAAAAAAAAAAAAAAAAAAAAAAAAAAAAAAZAAAAAEAAABAAAAAAAAAAAAAAAAAAAAAAAAAAAAAAAAAAAAAAAAAAAAAAAAAAAAAAAAAAAAAAAAAAAAAAAAAAAAAAAAAAAAAAAAAAAAAAAAAAAAAAAAAAAAAAAAAAAAAFAAAADwAAAAAAAAAAAAAAAAAAAkUAAAAAQAAABQAAAAUAAAAFAAAAAEAAAAAAAAAZAAAAGQAAAAAAAAAZAAAAGQAAAAVAAAAYAAAAAAAAAAAAAAADwAAACADAAAAAAAAAAAAAAEAAACgMgAAVgcAAKr4//8BAAAAf39/AAEAAABkAAAAAAAAABQAAABAHwAAAAAAACYAAAAAAAAAwOD//wAAAAAmAAAAZAAAABYAAABMAAAAAAAAAAAAAAAEAAAAAAAAAAEAAADu7OEKAAAAACgAAAAoAAAAZAAAAGQAAAAAAAAAzMzMAAAAAABQAAAAUAAAAGQAAABkAAAAAAAAABcAAAAUAAAAAAAAAAAAAAD/fwAA/38AAAAAAAAJAAAABAAAAFRhcmceAAAAaAAAAAAAAAAAAAAAAAAAAAAAAAAAAAAAECcAABAnAAAAAAAAAAAAAAAAAAAAAAAAAAAAAAAAAAAAAAAAAAAAABQAAAAAAAAAwMD/AAAAAABkAAAAMgAAAAAAAABkAAAAAAAAAH9/fwAKAAAAIgAAABgAAAAAAAAAAAAAAAAAAAAAAAAAAAAAAAAAAAAkAAAAJAAAAAAAAAAHAAAAAAAAAAAAAAAAAAAAAAAAAAAAAAAAAAAAf39/ACUAAABYAAAAAAAAAAAAAAAAAAAAAAAAAAAAAAAAAAAAAAAAAAAAAAAAAAAAAAAAAAAAAAA/AAAAAAAAAKCGAQAAAAAAAAAAAAAAAAAMAAAAAQAAAAAAAAAAAAAAAAAAAB8AAABUAAAAAAAABQAAAAEAAAAAAAAAAAAAAAAAAAAAAAAAAAAAAAAAAAAAAAAAAAAAAAJ/f38AAAAAA8zMzADAwP8Af39/AAAAAAAAAAAAAAAAAAAAAAAAAAAAIQAAABgAAAAUAAAAUCgAABonAABwNQAAWSkAABAAAAAmAAAACAAAAAAAAAAAAAAA"/>
               </a:ext>
             </a:extLst>
           </p:cNvSpPr>
@@ -2795,7 +2796,7 @@
             <a:pPr>
               <a:defRPr lang="fr-fr"/>
             </a:pPr>
-            <a:fld id="{091B9A65-2BE4-4E6C-AAA3-DD39D4ED5C88}" type="slidenum">
+            <a:fld id="{31342B98-D6DC-61DD-928C-208865C26475}" type="slidenum">
               <a:t>‹#›</a:t>
             </a:fld>
           </a:p>
@@ -2834,7 +2835,7 @@
             <a:spLocks noGrp="1" noChangeArrowheads="1"/>
             <a:extLst>
               <a:ext uri="smNativeData">
-                <pr:smNativeData xmlns:pr="smNativeData" xmlns="smNativeData" val="SMDATA_15_JtjWYhMAAAAlAAAAZAAAAA0AAAAAkAAAAEgAAACQAAAASAAAAAAAAAACAAAAAAAAAAEAAABQAAAAAAAAAAAA4D8AAAAAAADgPwAAAAAAAOA/AAAAAAAA4D8AAAAAAADgPwAAAAAAAOA/AAAAAAAA4D8AAAAAAADgPwAAAAAAAOA/AAAAAAAA4D8CAAAAjAAAAAAAAAAAAAAAT4G9DP///wgAAAAAAAAAAAAAAAAAAAAAAAAAAAAAAAAAAAAAZAAAAAEAAABAAAAAAAAAAAAAAAAAAAAAAAAAAAAAAAAAAAAAAAAAAAAAAAAAAAAAAAAAAAAAAAAAAAAAAAAAAAAAAAAAAAAAAAAAAAAAAAAAAAAAAAAAAAAAAAAAAAAAFAAAADwAAAAAAAAAAAAAAAAAAAkUAAAAAQAAABQAAAAUAAAAFAAAAAEAAAAAAAAAZAAAAGQAAAAAAAAAZAAAAGQAAAAVAAAAYAAAAAAAAAAAAAAADwAAACADAAAAAAAAAAAAAAEAAACgMgAAVgcAAKr4//8BAAAAf39/AAEAAABkAAAAAAAAABQAAABAHwAAAAAAACYAAAAAAAAAwOD//wAAAAAmAAAAZAAAABYAAABMAAAAAAAAAAAAAAAEAAAAAAAAAAEAAADu7OEKAAAAACgAAAAoAAAAZAAAAGQAAAAAAAAAzMzMAAAAAABQAAAAUAAAAGQAAABkAAAAAAAAABcAAAAUAAAAAAAAAAAAAAD/fwAA/38AAAAAAAAJAAAABAAAABB7SpceAAAAaAAAAAAAAAAAAAAAAAAAAAAAAAAAAAAAECcAABAnAAAAAAAAAAAAAAAAAAAAAAAAAAAAAAAAAAAAAAAAAAAAABQAAAAAAAAAwMD/AAAAAABkAAAAMgAAAAAAAABkAAAAAAAAAH9/fwAKAAAAIgAAABgAAAAAAAAAAAAAAAAAAAAAAAAAAAAAAAAAAAAkAAAAJAAAAAAAAAAHAAAAAAAAAAAAAAAAAAAAAAAAAAAAAAAAAAAAf39/ACUAAABYAAAAAAAAAAAAAAAAAAAAAAAAAAAAAAAAAAAAAAAAAAAAAAAAAAAAAAAAAAAAAAA/AAAAAAAAAKCGAQAAAAAAAAAAAAAAAAAMAAAAAQAAAAAAAAAAAAAAAAAAAB8AAABUAAAAAAAABQAAAAEAAAAAAAAAAAAAAAAAAAAAAAAAAAAAAAAAAAAAAAAAAAAAAAJ/f38AAAAAA8zMzADAwP8Af39/AAAAAAAAAAAAAAAAAAAAAAAAAAAAIQAAABgAAAAUAAAABwsAAIgdAADHLAAABSEAABAAAAAmAAAACAAAAIGAAAAAAAAA"/>
+                <pr:smNativeData xmlns:pr="smNativeData" xmlns="smNativeData" val="SMDATA_15_iunWYhMAAAAlAAAAZAAAAA0AAAAAkAAAAEgAAACQAAAASAAAAAAAAAACAAAAAAAAAAEAAABQAAAAAAAAAAAA4D8AAAAAAADgPwAAAAAAAOA/AAAAAAAA4D8AAAAAAADgPwAAAAAAAOA/AAAAAAAA4D8AAAAAAADgPwAAAAAAAOA/AAAAAAAA4D8CAAAAjAAAAAAAAAAAAAAAT4G9DP///wgAAAAAAAAAAAAAAAAAAAAAAAAAAAAAAAAAAAAAZAAAAAEAAABAAAAAAAAAAAAAAAAAAAAAAAAAAAAAAAAAAAAAAAAAAAAAAAAAAAAAAAAAAAAAAAAAAAAAAAAAAAAAAAAAAAAAAAAAAAAAAAAAAAAAAAAAAAAAAAAAAAAAFAAAADwAAAAAAAAAAAAAAAAAAAkUAAAAAQAAABQAAAAUAAAAFAAAAAEAAAAAAAAAZAAAAGQAAAAAAAAAZAAAAGQAAAAVAAAAYAAAAAAAAAAAAAAADwAAACADAAAAAAAAAAAAAAEAAACgMgAAVgcAAKr4//8BAAAAf39/AAEAAABkAAAAAAAAABQAAABAHwAAAAAAACYAAAAAAAAAwOD//wAAAAAmAAAAZAAAABYAAABMAAAAAAAAAAAAAAAEAAAAAAAAAAEAAADu7OEKAAAAACgAAAAoAAAAZAAAAGQAAAAAAAAAzMzMAAAAAABQAAAAUAAAAGQAAABkAAAAAAAAABcAAAAUAAAAAAAAAAAAAAD/fwAA/38AAAAAAAAJAAAABAAAABB7SpceAAAAaAAAAAAAAAAAAAAAAAAAAAAAAAAAAAAAECcAABAnAAAAAAAAAAAAAAAAAAAAAAAAAAAAAAAAAAAAAAAAAAAAABQAAAAAAAAAwMD/AAAAAABkAAAAMgAAAAAAAABkAAAAAAAAAH9/fwAKAAAAIgAAABgAAAAAAAAAAAAAAAAAAAAAAAAAAAAAAAAAAAAkAAAAJAAAAAAAAAAHAAAAAAAAAAAAAAAAAAAAAAAAAAAAAAAAAAAAf39/ACUAAABYAAAAAAAAAAAAAAAAAAAAAAAAAAAAAAAAAAAAAAAAAAAAAAAAAAAAAAAAAAAAAAA/AAAAAAAAAKCGAQAAAAAAAAAAAAAAAAAMAAAAAQAAAAAAAAAAAAAAAAAAAB8AAABUAAAAAAAABQAAAAEAAAAAAAAAAAAAAAAAAAAAAAAAAAAAAAAAAAAAAAAAAAAAAAJ/f38AAAAAA8zMzADAwP8Af39/AAAAAAAAAAAAAAAAAAAAAAAAAAAAIQAAABgAAAAUAAAABwsAAIgdAADHLAAABSEAABAAAAAmAAAACAAAAIGAAAAAAAAA"/>
               </a:ext>
             </a:extLst>
           </p:cNvSpPr>
@@ -2900,7 +2901,7 @@
             <a:spLocks noGrp="1" noChangeArrowheads="1"/>
             <a:extLst>
               <a:ext uri="smNativeData">
-                <pr:smNativeData xmlns:pr="smNativeData" xmlns="smNativeData" val="SMDATA_15_JtjWYhMAAAAlAAAAZAAAAA0AAAAAkAAAAEgAAACQAAAASAAAAAAAAAAAAAAAAAAAAAEAAABQAAAAAAAAAAAA4D8AAAAAAADgPwAAAAAAAOA/AAAAAAAA4D8AAAAAAADgPwAAAAAAAOA/AAAAAAAA4D8AAAAAAADgPwAAAAAAAOA/AAAAAAAA4D8CAAAAjAAAAAAAAAAAAAAAT4G9DP///wgAAAAAAAAAAAAAAAAAAAAAAAAAAAAAAAAAAAAAZAAAAAEAAABAAAAAAAAAAAAAAAAAAAAAAAAAAAAAAAAAAAAAAAAAAAAAAAAAAAAAAAAAAAAAAAAAAAAAAAAAAAAAAAAAAAAAAAAAAAAAAAAAAAAAAAAAAAAAAAAAAAAAFAAAADwAAAAAAAAAAAAAAAAAAAkUAAAAAQAAABQAAAAUAAAAFAAAAAEAAAAAAAAAZAAAAGQAAAAAAAAAZAAAAGQAAAAVAAAAYAAAAAAAAAAAAAAADwAAACADAAAAAAAAAAAAAAEAAACgMgAAVgcAAKr4//8BAAAAf39/AAEAAABkAAAAAAAAABQAAABAHwAAAAAAACYAAAAAAAAAwOD//wAAAAAmAAAAZAAAABYAAABMAAAAAAAAAAAAAAAEAAAAAAAAAAEAAADu7OEKAAAAACgAAAAoAAAAZAAAAGQAAAAAAAAAzMzMAAAAAABQAAAAUAAAAGQAAABkAAAAAAAAABcAAAAUAAAAAAAAAAAAAAD/fwAA/38AAAAAAAAJAAAABAAAAFRhcmceAAAAaAAAAAAAAAAAAAAAAAAAAAAAAAAAAAAAECcAABAnAAAAAAAAAAAAAAAAAAAAAAAAAAAAAAAAAAAAAAAAAAAAABQAAAAAAAAAwMD/AAAAAABkAAAAMgAAAAAAAABkAAAAAAAAAH9/fwAKAAAAIgAAABgAAAAAAAAAAAAAAAAAAAAAAAAAAAAAAAAAAAAkAAAAJAAAAAAAAAAHAAAAAAAAAAAAAAAAAAAAAAAAAAAAAAAAAAAAf39/ACUAAABYAAAAAAAAAAAAAAAAAAAAAAAAAAAAAAAAAAAAAAAAAAAAAAAAAAAAAAAAAAAAAAA/AAAAAAAAAKCGAQAAAAAAAAAAAAAAAAAMAAAAAQAAAAAAAAAAAAAAAAAAAB8AAABUAAAAAAAABQAAAAEAAAAAAAAAAAAAAAAAAAAAAAAAAAAAAAAAAAAAAAAAAAAAAAJ/f38AAAAAA8zMzADAwP8Af39/AAAAAAAAAAAAAAAAAAAAAAAAAAAAIQAAABgAAAAUAAAABwsAAMUDAADHLAAAFR0AABAAAAAmAAAACAAAAAGAAAAAAAAA"/>
+                <pr:smNativeData xmlns:pr="smNativeData" xmlns="smNativeData" val="SMDATA_15_iunWYhMAAAAlAAAAZAAAAA0AAAAAkAAAAEgAAACQAAAASAAAAAAAAAAAAAAAAAAAAAEAAABQAAAAAAAAAAAA4D8AAAAAAADgPwAAAAAAAOA/AAAAAAAA4D8AAAAAAADgPwAAAAAAAOA/AAAAAAAA4D8AAAAAAADgPwAAAAAAAOA/AAAAAAAA4D8CAAAAjAAAAAAAAAAAAAAAT4G9DP///wgAAAAAAAAAAAAAAAAAAAAAAAAAAAAAAAAAAAAAZAAAAAEAAABAAAAAAAAAAAAAAAAAAAAAAAAAAAAAAAAAAAAAAAAAAAAAAAAAAAAAAAAAAAAAAAAAAAAAAAAAAAAAAAAAAAAAAAAAAAAAAAAAAAAAAAAAAAAAAAAAAAAAFAAAADwAAAAAAAAAAAAAAAAAAAkUAAAAAQAAABQAAAAUAAAAFAAAAAEAAAAAAAAAZAAAAGQAAAAAAAAAZAAAAGQAAAAVAAAAYAAAAAAAAAAAAAAADwAAACADAAAAAAAAAAAAAAEAAACgMgAAVgcAAKr4//8BAAAAf39/AAEAAABkAAAAAAAAABQAAABAHwAAAAAAACYAAAAAAAAAwOD//wAAAAAmAAAAZAAAABYAAABMAAAAAAAAAAAAAAAEAAAAAAAAAAEAAADu7OEKAAAAACgAAAAoAAAAZAAAAGQAAAAAAAAAzMzMAAAAAABQAAAAUAAAAGQAAABkAAAAAAAAABcAAAAUAAAAAAAAAAAAAAD/fwAA/38AAAAAAAAJAAAABAAAAFRhcmceAAAAaAAAAAAAAAAAAAAAAAAAAAAAAAAAAAAAECcAABAnAAAAAAAAAAAAAAAAAAAAAAAAAAAAAAAAAAAAAAAAAAAAABQAAAAAAAAAwMD/AAAAAABkAAAAMgAAAAAAAABkAAAAAAAAAH9/fwAKAAAAIgAAABgAAAAAAAAAAAAAAAAAAAAAAAAAAAAAAAAAAAAkAAAAJAAAAAAAAAAHAAAAAAAAAAAAAAAAAAAAAAAAAAAAAAAAAAAAf39/ACUAAABYAAAAAAAAAAAAAAAAAAAAAAAAAAAAAAAAAAAAAAAAAAAAAAAAAAAAAAAAAAAAAAA/AAAAAAAAAKCGAQAAAAAAAAAAAAAAAAAMAAAAAQAAAAAAAAAAAAAAAAAAAB8AAABUAAAAAAAABQAAAAEAAAAAAAAAAAAAAAAAAAAAAAAAAAAAAAAAAAAAAAAAAAAAAAJ/f38AAAAAA8zMzADAwP8Af39/AAAAAAAAAAAAAAAAAAAAAAAAAAAAIQAAABgAAAAUAAAABwsAAMUDAADHLAAAFR0AABAAAAAmAAAACAAAAAGAAAAAAAAA"/>
               </a:ext>
             </a:extLst>
           </p:cNvSpPr>
@@ -2968,7 +2969,7 @@
             <a:spLocks noGrp="1" noChangeArrowheads="1"/>
             <a:extLst>
               <a:ext uri="smNativeData">
-                <pr:smNativeData xmlns:pr="smNativeData" xmlns="smNativeData" val="SMDATA_15_JtjWYhMAAAAlAAAAZAAAAA0AAAAAkAAAAEgAAACQAAAASAAAAAAAAAAAAAAAAAAAAAEAAABQAAAAAAAAAAAA4D8AAAAAAADgPwAAAAAAAOA/AAAAAAAA4D8AAAAAAADgPwAAAAAAAOA/AAAAAAAA4D8AAAAAAADgPwAAAAAAAOA/AAAAAAAA4D8CAAAAjAAAAAAAAAAAAAAAT4G9DP///wgAAAAAAAAAAAAAAAAAAAAAAAAAAAAAAAAAAAAAZAAAAAEAAABAAAAAAAAAAAAAAAAAAAAAAAAAAAAAAAAAAAAAAAAAAAAAAAAAAAAAAAAAAAAAAAAAAAAAAAAAAAAAAAAAAAAAAAAAAAAAAAAAAAAAAAAAAAAAAAAAAAAAFAAAADwAAAAAAAAAAAAAAAAAAAkUAAAAAQAAABQAAAAUAAAAFAAAAAEAAAAAAAAAZAAAAGQAAAAAAAAAZAAAAGQAAAAVAAAAYAAAAAAAAAAAAAAADwAAACADAAAAAAAAAAAAAAEAAACgMgAAVgcAAKr4//8BAAAAf39/AAEAAABkAAAAAAAAABQAAABAHwAAAAAAACYAAAAAAAAAwOD//wAAAAAmAAAAZAAAABYAAABMAAAAAAAAAAAAAAAEAAAAAAAAAAEAAADu7OEKAAAAACgAAAAoAAAAZAAAAGQAAAAAAAAAzMzMAAAAAABQAAAAUAAAAGQAAABkAAAAAAAAABcAAAAUAAAAAAAAAAAAAAD/fwAA/38AAAAAAAAJAAAABAAAABB7SpceAAAAaAAAAAAAAAAAAAAAAAAAAAAAAAAAAAAAECcAABAnAAAAAAAAAAAAAAAAAAAAAAAAAAAAAAAAAAAAAAAAAAAAABQAAAAAAAAAwMD/AAAAAABkAAAAMgAAAAAAAABkAAAAAAAAAH9/fwAKAAAAIgAAABgAAAAAAAAAAAAAAAAAAAAAAAAAAAAAAAAAAAAkAAAAJAAAAAAAAAAHAAAAAAAAAAAAAAAAAAAAAAAAAAAAAAAAAAAAf39/ACUAAABYAAAAAAAAAAAAAAAAAAAAAAAAAAAAAAAAAAAAAAAAAAAAAAAAAAAAAAAAAAAAAAA/AAAAAAAAAKCGAQAAAAAAAAAAAAAAAAAMAAAAAQAAAAAAAAAAAAAAAAAAAB8AAABUAAAAAAAABQAAAAEAAAAAAAAAAAAAAAAAAAAAAAAAAAAAAAAAAAAAAAAAAAAAAAJ/f38AAAAAA8zMzADAwP8Af39/AAAAAAAAAAAAAAAAAAAAAAAAAAAAIQAAABgAAAAUAAAABwsAAAUhAADHLAAA+CUAABAAAAAmAAAACAAAAAGAAAAAAAAA"/>
+                <pr:smNativeData xmlns:pr="smNativeData" xmlns="smNativeData" val="SMDATA_15_iunWYhMAAAAlAAAAZAAAAA0AAAAAkAAAAEgAAACQAAAASAAAAAAAAAAAAAAAAAAAAAEAAABQAAAAAAAAAAAA4D8AAAAAAADgPwAAAAAAAOA/AAAAAAAA4D8AAAAAAADgPwAAAAAAAOA/AAAAAAAA4D8AAAAAAADgPwAAAAAAAOA/AAAAAAAA4D8CAAAAjAAAAAAAAAAAAAAAT4G9DP///wgAAAAAAAAAAAAAAAAAAAAAAAAAAAAAAAAAAAAAZAAAAAEAAABAAAAAAAAAAAAAAAAAAAAAAAAAAAAAAAAAAAAAAAAAAAAAAAAAAAAAAAAAAAAAAAAAAAAAAAAAAAAAAAAAAAAAAAAAAAAAAAAAAAAAAAAAAAAAAAAAAAAAFAAAADwAAAAAAAAAAAAAAAAAAAkUAAAAAQAAABQAAAAUAAAAFAAAAAEAAAAAAAAAZAAAAGQAAAAAAAAAZAAAAGQAAAAVAAAAYAAAAAAAAAAAAAAADwAAACADAAAAAAAAAAAAAAEAAACgMgAAVgcAAKr4//8BAAAAf39/AAEAAABkAAAAAAAAABQAAABAHwAAAAAAACYAAAAAAAAAwOD//wAAAAAmAAAAZAAAABYAAABMAAAAAAAAAAAAAAAEAAAAAAAAAAEAAADu7OEKAAAAACgAAAAoAAAAZAAAAGQAAAAAAAAAzMzMAAAAAABQAAAAUAAAAGQAAABkAAAAAAAAABcAAAAUAAAAAAAAAAAAAAD/fwAA/38AAAAAAAAJAAAABAAAABB7SpceAAAAaAAAAAAAAAAAAAAAAAAAAAAAAAAAAAAAECcAABAnAAAAAAAAAAAAAAAAAAAAAAAAAAAAAAAAAAAAAAAAAAAAABQAAAAAAAAAwMD/AAAAAABkAAAAMgAAAAAAAABkAAAAAAAAAH9/fwAKAAAAIgAAABgAAAAAAAAAAAAAAAAAAAAAAAAAAAAAAAAAAAAkAAAAJAAAAAAAAAAHAAAAAAAAAAAAAAAAAAAAAAAAAAAAAAAAAAAAf39/ACUAAABYAAAAAAAAAAAAAAAAAAAAAAAAAAAAAAAAAAAAAAAAAAAAAAAAAAAAAAAAAAAAAAA/AAAAAAAAAKCGAQAAAAAAAAAAAAAAAAAMAAAAAQAAAAAAAAAAAAAAAAAAAB8AAABUAAAAAAAABQAAAAEAAAAAAAAAAAAAAAAAAAAAAAAAAAAAAAAAAAAAAAAAAAAAAAJ/f38AAAAAA8zMzADAwP8Af39/AAAAAAAAAAAAAAAAAAAAAAAAAAAAIQAAABgAAAAUAAAABwsAAAUhAADHLAAA+CUAABAAAAAmAAAACAAAAAGAAAAAAAAA"/>
               </a:ext>
             </a:extLst>
           </p:cNvSpPr>
@@ -3039,7 +3040,7 @@
             <a:spLocks noGrp="1" noChangeArrowheads="1"/>
             <a:extLst>
               <a:ext uri="smNativeData">
-                <pr:smNativeData xmlns:pr="smNativeData" xmlns="smNativeData" val="SMDATA_15_JtjWYhMAAAAlAAAAZAAAAA0AAAAAkAAAAEgAAACQAAAASAAAAAAAAAABAAAAAAAAAAEAAABQAAAAAAAAAAAA4D8AAAAAAADgPwAAAAAAAOA/AAAAAAAA4D8AAAAAAADgPwAAAAAAAOA/AAAAAAAA4D8AAAAAAADgPwAAAAAAAOA/AAAAAAAA4D8CAAAAjAAAAAAAAAAAAAAAT4G9DP///wgAAAAAAAAAAAAAAAAAAAAAAAAAAAAAAAAAAAAAZAAAAAEAAABAAAAAAAAAAAAAAAAAAAAAAAAAAAAAAAAAAAAAAAAAAAAAAAAAAAAAAAAAAAAAAAAAAAAAAAAAAAAAAAAAAAAAAAAAAAAAAAAAAAAAAAAAAAAAAAAAAAAAFAAAADwAAAAAAAAAAAAAAAAAAAkUAAAAAQAAABQAAAAUAAAAFAAAAAEAAAAAAAAAZAAAAGQAAAAAAAAAZAAAAGQAAAAVAAAAYAAAAAAAAAAAAAAADwAAACADAAAAAAAAAAAAAAEAAACgMgAAVgcAAKr4//8BAAAAf39/AAEAAABkAAAAAAAAABQAAABAHwAAAAAAACYAAAAAAAAAwOD//wAAAAAmAAAAZAAAABYAAABMAAAAAAAAAAAAAAAEAAAAAAAAAAEAAADu7OEKAAAAACgAAAAoAAAAZAAAAGQAAAAAAAAAzMzMAAAAAABQAAAAUAAAAGQAAABkAAAAAAAAABcAAAAUAAAAAAAAAAAAAAD/fwAA/38AAAAAAAAJAAAABAAAAFRhcmceAAAAaAAAAAAAAAAAAAAAAAAAAAAAAAAAAAAAECcAABAnAAAAAAAAAAAAAAAAAAAAAAAAAAAAAAAAAAAAAAAAAAAAABQAAAAAAAAAwMD/AAAAAABkAAAAMgAAAAAAAABkAAAAAAAAAH9/fwAKAAAAIgAAABgAAAAAAAAAAAAAAAAAAAAAAAAAAAAAAAAAAAAkAAAAJAAAAAAAAAAHAAAAAAAAAAAAAAAAAAAAAAAAAAAAAAAAAAAAf39/ACUAAABYAAAAAAAAAAAAAAAAAAAAAAAAAAAAAAAAAAAAAAAAAAAAAAAAAAAAAAAAAAAAAAA/AAAAAAAAAKCGAQAAAAAAAAAAAAAAAAAMAAAAAQAAAAAAAAAAAAAAAAAAAB8AAABUAAAAAAAABQAAAAEAAAAAAAAAAAAAAAAAAAAAAAAAAAAAAAAAAAAAAAAAAAAAAAJ/f38AAAAAA8zMzADAwP8Af39/AAAAAAAAAAAAAAAAAAAAAAAAAAAAIQAAABgAAAAUAAAA0AIAABonAADwDwAAWSkAABAAAAAmAAAACAAAAAAAAAAAAAAA"/>
+                <pr:smNativeData xmlns:pr="smNativeData" xmlns="smNativeData" val="SMDATA_15_iunWYhMAAAAlAAAAZAAAAA0AAAAAkAAAAEgAAACQAAAASAAAAAAAAAABAAAAAAAAAAEAAABQAAAAAAAAAAAA4D8AAAAAAADgPwAAAAAAAOA/AAAAAAAA4D8AAAAAAADgPwAAAAAAAOA/AAAAAAAA4D8AAAAAAADgPwAAAAAAAOA/AAAAAAAA4D8CAAAAjAAAAAAAAAAAAAAAT4G9DP///wgAAAAAAAAAAAAAAAAAAAAAAAAAAAAAAAAAAAAAZAAAAAEAAABAAAAAAAAAAAAAAAAAAAAAAAAAAAAAAAAAAAAAAAAAAAAAAAAAAAAAAAAAAAAAAAAAAAAAAAAAAAAAAAAAAAAAAAAAAAAAAAAAAAAAAAAAAAAAAAAAAAAAFAAAADwAAAAAAAAAAAAAAAAAAAkUAAAAAQAAABQAAAAUAAAAFAAAAAEAAAAAAAAAZAAAAGQAAAAAAAAAZAAAAGQAAAAVAAAAYAAAAAAAAAAAAAAADwAAACADAAAAAAAAAAAAAAEAAACgMgAAVgcAAKr4//8BAAAAf39/AAEAAABkAAAAAAAAABQAAABAHwAAAAAAACYAAAAAAAAAwOD//wAAAAAmAAAAZAAAABYAAABMAAAAAAAAAAAAAAAEAAAAAAAAAAEAAADu7OEKAAAAACgAAAAoAAAAZAAAAGQAAAAAAAAAzMzMAAAAAABQAAAAUAAAAGQAAABkAAAAAAAAABcAAAAUAAAAAAAAAAAAAAD/fwAA/38AAAAAAAAJAAAABAAAAFRhcmceAAAAaAAAAAAAAAAAAAAAAAAAAAAAAAAAAAAAECcAABAnAAAAAAAAAAAAAAAAAAAAAAAAAAAAAAAAAAAAAAAAAAAAABQAAAAAAAAAwMD/AAAAAABkAAAAMgAAAAAAAABkAAAAAAAAAH9/fwAKAAAAIgAAABgAAAAAAAAAAAAAAAAAAAAAAAAAAAAAAAAAAAAkAAAAJAAAAAAAAAAHAAAAAAAAAAAAAAAAAAAAAAAAAAAAAAAAAAAAf39/ACUAAABYAAAAAAAAAAAAAAAAAAAAAAAAAAAAAAAAAAAAAAAAAAAAAAAAAAAAAAAAAAAAAAA/AAAAAAAAAKCGAQAAAAAAAAAAAAAAAAAMAAAAAQAAAAAAAAAAAAAAAAAAAB8AAABUAAAAAAAABQAAAAEAAAAAAAAAAAAAAAAAAAAAAAAAAAAAAAAAAAAAAAAAAAAAAAJ/f38AAAAAA8zMzADAwP8Af39/AAAAAAAAAAAAAAAAAAAAAAAAAAAAIQAAABgAAAAUAAAA0AIAABonAADwDwAAWSkAABAAAAAmAAAACAAAAAAAAAAAAAAA"/>
               </a:ext>
             </a:extLst>
           </p:cNvSpPr>
@@ -3055,7 +3056,7 @@
             <a:pPr>
               <a:defRPr lang="fr-fr"/>
             </a:pPr>
-            <a:fld id="{138EE28D-C3FE-DB14-B036-3541AC784660}" type="datetime1">
+            <a:fld id="{662E3BE9-A78B-7BCD-C596-519875D83304}" type="datetime1">
               <a:t>1/04/15</a:t>
             </a:fld>
           </a:p>
@@ -3068,7 +3069,7 @@
             <a:spLocks noGrp="1" noChangeArrowheads="1"/>
             <a:extLst>
               <a:ext uri="smNativeData">
-                <pr:smNativeData xmlns:pr="smNativeData" xmlns="smNativeData" val="SMDATA_15_JtjWYhMAAAAlAAAAZAAAAA0AAAAAkAAAAEgAAACQAAAASAAAAAAAAAABAAAAAAAAAAEAAABQAAAAAAAAAAAA4D8AAAAAAADgPwAAAAAAAOA/AAAAAAAA4D8AAAAAAADgPwAAAAAAAOA/AAAAAAAA4D8AAAAAAADgPwAAAAAAAOA/AAAAAAAA4D8CAAAAjAAAAAAAAAAAAAAAT4G9DP///wgAAAAAAAAAAAAAAAAAAAAAAAAAAAAAAAAAAAAAZAAAAAEAAABAAAAAAAAAAAAAAAAAAAAAAAAAAAAAAAAAAAAAAAAAAAAAAAAAAAAAAAAAAAAAAAAAAAAAAAAAAAAAAAAAAAAAAAAAAAAAAAAAAAAAAAAAAAAAAAAAAAAAFAAAADwAAAAAAAAAAAAAAAAAAAkUAAAAAQAAABQAAAAUAAAAFAAAAAEAAAAAAAAAZAAAAGQAAAAAAAAAZAAAAGQAAAAVAAAAYAAAAAAAAAAAAAAADwAAACADAAAAAAAAAAAAAAEAAACgMgAAVgcAAKr4//8BAAAAf39/AAEAAABkAAAAAAAAABQAAABAHwAAAAAAACYAAAAAAAAAwOD//wAAAAAmAAAAZAAAABYAAABMAAAAAAAAAAAAAAAEAAAAAAAAAAEAAADu7OEKAAAAACgAAAAoAAAAZAAAAGQAAAAAAAAAzMzMAAAAAABQAAAAUAAAAGQAAABkAAAAAAAAABcAAAAUAAAAAAAAAAAAAAD/fwAA/38AAAAAAAAJAAAABAAAABB7SpceAAAAaAAAAAAAAAAAAAAAAAAAAAAAAAAAAAAAECcAABAnAAAAAAAAAAAAAAAAAAAAAAAAAAAAAAAAAAAAAAAAAAAAABQAAAAAAAAAwMD/AAAAAABkAAAAMgAAAAAAAABkAAAAAAAAAH9/fwAKAAAAIgAAABgAAAAAAAAAAAAAAAAAAAAAAAAAAAAAAAAAAAAkAAAAJAAAAAAAAAAHAAAAAAAAAAAAAAAAAAAAAAAAAAAAAAAAAAAAf39/ACUAAABYAAAAAAAAAAAAAAAAAAAAAAAAAAAAAAAAAAAAAAAAAAAAAAAAAAAAAAAAAAAAAAA/AAAAAAAAAKCGAQAAAAAAAAAAAAAAAAAMAAAAAQAAAAAAAAAAAAAAAAAAAB8AAABUAAAAAAAABQAAAAEAAAAAAAAAAAAAAAAAAAAAAAAAAAAAAAAAAAAAAAAAAAAAAAJ/f38AAAAAA8zMzADAwP8Af39/AAAAAAAAAAAAAAAAAAAAAAAAAAAAIQAAABgAAAAUAAAAOBMAABonAAAIJQAAWSkAABAAAAAmAAAACAAAAAAAAAAAAAAA"/>
+                <pr:smNativeData xmlns:pr="smNativeData" xmlns="smNativeData" val="SMDATA_15_iunWYhMAAAAlAAAAZAAAAA0AAAAAkAAAAEgAAACQAAAASAAAAAAAAAABAAAAAAAAAAEAAABQAAAAAAAAAAAA4D8AAAAAAADgPwAAAAAAAOA/AAAAAAAA4D8AAAAAAADgPwAAAAAAAOA/AAAAAAAA4D8AAAAAAADgPwAAAAAAAOA/AAAAAAAA4D8CAAAAjAAAAAAAAAAAAAAAT4G9DP///wgAAAAAAAAAAAAAAAAAAAAAAAAAAAAAAAAAAAAAZAAAAAEAAABAAAAAAAAAAAAAAAAAAAAAAAAAAAAAAAAAAAAAAAAAAAAAAAAAAAAAAAAAAAAAAAAAAAAAAAAAAAAAAAAAAAAAAAAAAAAAAAAAAAAAAAAAAAAAAAAAAAAAFAAAADwAAAAAAAAAAAAAAAAAAAkUAAAAAQAAABQAAAAUAAAAFAAAAAEAAAAAAAAAZAAAAGQAAAAAAAAAZAAAAGQAAAAVAAAAYAAAAAAAAAAAAAAADwAAACADAAAAAAAAAAAAAAEAAACgMgAAVgcAAKr4//8BAAAAf39/AAEAAABkAAAAAAAAABQAAABAHwAAAAAAACYAAAAAAAAAwOD//wAAAAAmAAAAZAAAABYAAABMAAAAAAAAAAAAAAAEAAAAAAAAAAEAAADu7OEKAAAAACgAAAAoAAAAZAAAAGQAAAAAAAAAzMzMAAAAAABQAAAAUAAAAGQAAABkAAAAAAAAABcAAAAUAAAAAAAAAAAAAAD/fwAA/38AAAAAAAAJAAAABAAAABB7SpceAAAAaAAAAAAAAAAAAAAAAAAAAAAAAAAAAAAAECcAABAnAAAAAAAAAAAAAAAAAAAAAAAAAAAAAAAAAAAAAAAAAAAAABQAAAAAAAAAwMD/AAAAAABkAAAAMgAAAAAAAABkAAAAAAAAAH9/fwAKAAAAIgAAABgAAAAAAAAAAAAAAAAAAAAAAAAAAAAAAAAAAAAkAAAAJAAAAAAAAAAHAAAAAAAAAAAAAAAAAAAAAAAAAAAAAAAAAAAAf39/ACUAAABYAAAAAAAAAAAAAAAAAAAAAAAAAAAAAAAAAAAAAAAAAAAAAAAAAAAAAAAAAAAAAAA/AAAAAAAAAKCGAQAAAAAAAAAAAAAAAAAMAAAAAQAAAAAAAAAAAAAAAAAAAB8AAABUAAAAAAAABQAAAAEAAAAAAAAAAAAAAAAAAAAAAAAAAAAAAAAAAAAAAAAAAAAAAAJ/f38AAAAAA8zMzADAwP8Af39/AAAAAAAAAAAAAAAAAAAAAAAAAAAAIQAAABgAAAAUAAAAOBMAABonAAAIJQAAWSkAABAAAAAmAAAACAAAAAAAAAAAAAAA"/>
               </a:ext>
             </a:extLst>
           </p:cNvSpPr>
@@ -3094,7 +3095,7 @@
             <a:spLocks noGrp="1" noChangeArrowheads="1"/>
             <a:extLst>
               <a:ext uri="smNativeData">
-                <pr:smNativeData xmlns:pr="smNativeData" xmlns="smNativeData" val="SMDATA_15_JtjWYhMAAAAlAAAAZAAAAA0AAAAAkAAAAEgAAACQAAAASAAAAAAAAAABAAAAAAAAAAEAAABQAAAAAAAAAAAA4D8AAAAAAADgPwAAAAAAAOA/AAAAAAAA4D8AAAAAAADgPwAAAAAAAOA/AAAAAAAA4D8AAAAAAADgPwAAAAAAAOA/AAAAAAAA4D8CAAAAjAAAAAAAAAAAAAAAT4G9DP///wgAAAAAAAAAAAAAAAAAAAAAAAAAAAAAAAAAAAAAZAAAAAEAAABAAAAAAAAAAAAAAAAAAAAAAAAAAAAAAAAAAAAAAAAAAAAAAAAAAAAAAAAAAAAAAAAAAAAAAAAAAAAAAAAAAAAAAAAAAAAAAAAAAAAAAAAAAAAAAAAAAAAAFAAAADwAAAAAAAAAAAAAAAAAAAkUAAAAAQAAABQAAAAUAAAAFAAAAAEAAAAAAAAAZAAAAGQAAAAAAAAAZAAAAGQAAAAVAAAAYAAAAAAAAAAAAAAADwAAACADAAAAAAAAAAAAAAEAAACgMgAAVgcAAKr4//8BAAAAf39/AAEAAABkAAAAAAAAABQAAABAHwAAAAAAACYAAAAAAAAAwOD//wAAAAAmAAAAZAAAABYAAABMAAAAAAAAAAAAAAAEAAAAAAAAAAEAAADu7OEKAAAAACgAAAAoAAAAZAAAAGQAAAAAAAAAzMzMAAAAAABQAAAAUAAAAGQAAABkAAAAAAAAABcAAAAUAAAAAAAAAAAAAAD/fwAA/38AAAAAAAAJAAAABAAAAFRhcmceAAAAaAAAAAAAAAAAAAAAAAAAAAAAAAAAAAAAECcAABAnAAAAAAAAAAAAAAAAAAAAAAAAAAAAAAAAAAAAAAAAAAAAABQAAAAAAAAAwMD/AAAAAABkAAAAMgAAAAAAAABkAAAAAAAAAH9/fwAKAAAAIgAAABgAAAAAAAAAAAAAAAAAAAAAAAAAAAAAAAAAAAAkAAAAJAAAAAAAAAAHAAAAAAAAAAAAAAAAAAAAAAAAAAAAAAAAAAAAf39/ACUAAABYAAAAAAAAAAAAAAAAAAAAAAAAAAAAAAAAAAAAAAAAAAAAAAAAAAAAAAAAAAAAAAA/AAAAAAAAAKCGAQAAAAAAAAAAAAAAAAAMAAAAAQAAAAAAAAAAAAAAAAAAAB8AAABUAAAAAAAABQAAAAEAAAAAAAAAAAAAAAAAAAAAAAAAAAAAAAAAAAAAAAAAAAAAAAJ/f38AAAAAA8zMzADAwP8Af39/AAAAAAAAAAAAAAAAAAAAAAAAAAAAIQAAABgAAAAUAAAAUCgAABonAABwNQAAWSkAABAAAAAmAAAACAAAAAAAAAAAAAAA"/>
+                <pr:smNativeData xmlns:pr="smNativeData" xmlns="smNativeData" val="SMDATA_15_iunWYhMAAAAlAAAAZAAAAA0AAAAAkAAAAEgAAACQAAAASAAAAAAAAAABAAAAAAAAAAEAAABQAAAAAAAAAAAA4D8AAAAAAADgPwAAAAAAAOA/AAAAAAAA4D8AAAAAAADgPwAAAAAAAOA/AAAAAAAA4D8AAAAAAADgPwAAAAAAAOA/AAAAAAAA4D8CAAAAjAAAAAAAAAAAAAAAT4G9DP///wgAAAAAAAAAAAAAAAAAAAAAAAAAAAAAAAAAAAAAZAAAAAEAAABAAAAAAAAAAAAAAAAAAAAAAAAAAAAAAAAAAAAAAAAAAAAAAAAAAAAAAAAAAAAAAAAAAAAAAAAAAAAAAAAAAAAAAAAAAAAAAAAAAAAAAAAAAAAAAAAAAAAAFAAAADwAAAAAAAAAAAAAAAAAAAkUAAAAAQAAABQAAAAUAAAAFAAAAAEAAAAAAAAAZAAAAGQAAAAAAAAAZAAAAGQAAAAVAAAAYAAAAAAAAAAAAAAADwAAACADAAAAAAAAAAAAAAEAAACgMgAAVgcAAKr4//8BAAAAf39/AAEAAABkAAAAAAAAABQAAABAHwAAAAAAACYAAAAAAAAAwOD//wAAAAAmAAAAZAAAABYAAABMAAAAAAAAAAAAAAAEAAAAAAAAAAEAAADu7OEKAAAAACgAAAAoAAAAZAAAAGQAAAAAAAAAzMzMAAAAAABQAAAAUAAAAGQAAABkAAAAAAAAABcAAAAUAAAAAAAAAAAAAAD/fwAA/38AAAAAAAAJAAAABAAAAFRhcmceAAAAaAAAAAAAAAAAAAAAAAAAAAAAAAAAAAAAECcAABAnAAAAAAAAAAAAAAAAAAAAAAAAAAAAAAAAAAAAAAAAAAAAABQAAAAAAAAAwMD/AAAAAABkAAAAMgAAAAAAAABkAAAAAAAAAH9/fwAKAAAAIgAAABgAAAAAAAAAAAAAAAAAAAAAAAAAAAAAAAAAAAAkAAAAJAAAAAAAAAAHAAAAAAAAAAAAAAAAAAAAAAAAAAAAAAAAAAAAf39/ACUAAABYAAAAAAAAAAAAAAAAAAAAAAAAAAAAAAAAAAAAAAAAAAAAAAAAAAAAAAAAAAAAAAA/AAAAAAAAAKCGAQAAAAAAAAAAAAAAAAAMAAAAAQAAAAAAAAAAAAAAAAAAAB8AAABUAAAAAAAABQAAAAEAAAAAAAAAAAAAAAAAAAAAAAAAAAAAAAAAAAAAAAAAAAAAAAJ/f38AAAAAA8zMzADAwP8Af39/AAAAAAAAAAAAAAAAAAAAAAAAAAAAIQAAABgAAAAUAAAAUCgAABonAABwNQAAWSkAABAAAAAmAAAACAAAAAAAAAAAAAAA"/>
               </a:ext>
             </a:extLst>
           </p:cNvSpPr>
@@ -3110,7 +3111,7 @@
             <a:pPr>
               <a:defRPr lang="fr-fr"/>
             </a:pPr>
-            <a:fld id="{5C4D48C4-8AB1-18BE-FFF5-7CEB06BB0929}" type="slidenum">
+            <a:fld id="{0EF1533D-73E3-A4A5-AD49-85F01D075BD0}" type="slidenum">
               <a:t>‹#›</a:t>
             </a:fld>
           </a:p>
@@ -3157,7 +3158,7 @@
             <a:spLocks noGrp="1" noChangeArrowheads="1"/>
             <a:extLst>
               <a:ext uri="smNativeData">
-                <pr:smNativeData xmlns:pr="smNativeData" xmlns="smNativeData" val="SMDATA_15_JtjWYhMAAAAlAAAAZAAAAA0AAAAAkAAAAEgAAACQAAAASAAAAAAAAAABAAAAAAAAAAEAAABQAAAAAAAAAAAA4D8AAAAAAADgPwAAAAAAAOA/AAAAAAAA4D8AAAAAAADgPwAAAAAAAOA/AAAAAAAA4D8AAAAAAADgPwAAAAAAAOA/AAAAAAAA4D8CAAAAjAAAAAAAAAAAAAAA////AP///wgAAAAAAAAAAAAAAAAAAAAAAAAAAAAAAAAAAAAAeAAAAAEAAABAAAAAAAAAAAAAAABaAAAAAAAAAAAAAAAAAAAAAAAAAAAAAAAAAAAAAAAAAAAAAAAAAAAAAAAAAAAAAAAAAAAAAAAAAAAAAAAAAAAAAAAAAAAAAAAAAAAAFAAAADwAAAAAAAAAAAAAAAAAAAAPAAAAAQAAACMAAAAjAAAAIwAAAB4AAAAAAAAAZAAAAGQAAAAAAAAAZAAAAGQAAAAVAAAAYAAAAAAAAAAAAAAADwAAACADAAAAAAAAAAAAAAEAAACgMgAAVgcAAKr4//8BAAAAf39/AAEAAABkAAAAAAAAABQAAABAHwAAAAAAACYAAAAAAAAAwOD//wAAAAAmAAAAZAAAABYAAABMAAAAAAAAAAAAAAAEAAAAAAAAAAEAAADu7OEKAAAAACgAAAAoAAAAZAAAAGQAAAAAAAAAzMzMAAAAAABQAAAAUAAAAGQAAABkAAAAAAAAABcAAAAUAAAAAAAAAAAAAAD/fwAA/38AAAAAAAAJAAAABAAAADQwMCIeAAAAaAAAAAAAAAAAAAAAAAAAAAAAAAAAAAAAECcAABAnAAAAAAAAAAAAAAAAAAAAAAAAAAAAAAAAAAAAAAAAAAAAABQAAAAAAAAAwMD/AAAAAABkAAAAMgAAAAAAAABkAAAAAAAAAH9/fwAKAAAAIgAAABgAAAAAAAAAAAAAAAAAAAAAAAAAAAAAAAAAAAAkAAAAJAAAAAAAAAAHAAAAAAAAAAAAAAAAAAAAAAAAAAAAAAAAAAAAf39/ACUAAABYAAAAAAAAAAAAAAAAAAAAAAAAAAAAAAAAAAAAAAAAAAAAAAAAAAAAAAAAAAAAAAA/AAAAAAAAAKCGAQAAAAAAAAAAAAAAAAAMAAAAAQAAAAAAAAAAAAAAAAAAAB8AAABUAAAA////AAAAAAEAAAAAAAAAAAAAAAAAAAAAAAAAAAAAAAAAAAAAAAAAAAAAAAB/f38AAAAAA8zMzADAwP8Af39/AAAAAAAAAAAAAAAAAAAAAAAAAAAAIQAAABgAAAAUAAAA0AIAALEBAABwNQAAuQgAABAAAAAmAAAACAAAAL8vAAAAAAAA"/>
+                <pr:smNativeData xmlns:pr="smNativeData" xmlns="smNativeData" val="SMDATA_15_iunWYhMAAAAlAAAAZAAAAA0AAAAAkAAAAEgAAACQAAAASAAAAAAAAAABAAAAAAAAAAEAAABQAAAAAAAAAAAA4D8AAAAAAADgPwAAAAAAAOA/AAAAAAAA4D8AAAAAAADgPwAAAAAAAOA/AAAAAAAA4D8AAAAAAADgPwAAAAAAAOA/AAAAAAAA4D8CAAAAjAAAAAAAAAAAAAAA////AP///wgAAAAAAAAAAAAAAAAAAAAAAAAAAAAAAAAAAAAAeAAAAAEAAABAAAAAAAAAAAAAAABaAAAAAAAAAAAAAAAAAAAAAAAAAAAAAAAAAAAAAAAAAAAAAAAAAAAAAAAAAAAAAAAAAAAAAAAAAAAAAAAAAAAAAAAAAAAAAAAAAAAAFAAAADwAAAAAAAAAAAAAAAAAAAAPAAAAAQAAACMAAAAjAAAAIwAAAB4AAAAAAAAAZAAAAGQAAAAAAAAAZAAAAGQAAAAVAAAAYAAAAAAAAAAAAAAADwAAACADAAAAAAAAAAAAAAEAAACgMgAAVgcAAKr4//8BAAAAf39/AAEAAABkAAAAAAAAABQAAABAHwAAAAAAACYAAAAAAAAAwOD//wAAAAAmAAAAZAAAABYAAABMAAAAAAAAAAAAAAAEAAAAAAAAAAEAAADu7OEKAAAAACgAAAAoAAAAZAAAAGQAAAAAAAAAzMzMAAAAAABQAAAAUAAAAGQAAABkAAAAAAAAABcAAAAUAAAAAAAAAAAAAAD/fwAA/38AAAAAAAAJAAAABAAAADQwMCIeAAAAaAAAAAAAAAAAAAAAAAAAAAAAAAAAAAAAECcAABAnAAAAAAAAAAAAAAAAAAAAAAAAAAAAAAAAAAAAAAAAAAAAABQAAAAAAAAAwMD/AAAAAABkAAAAMgAAAAAAAABkAAAAAAAAAH9/fwAKAAAAIgAAABgAAAAAAAAAAAAAAAAAAAAAAAAAAAAAAAAAAAAkAAAAJAAAAAAAAAAHAAAAAAAAAAAAAAAAAAAAAAAAAAAAAAAAAAAAf39/ACUAAABYAAAAAAAAAAAAAAAAAAAAAAAAAAAAAAAAAAAAAAAAAAAAAAAAAAAAAAAAAAAAAAA/AAAAAAAAAKCGAQAAAAAAAAAAAAAAAAAMAAAAAQAAAAAAAAAAAAAAAAAAAB8AAABUAAAA////AAAAAAEAAAAAAAAAAAAAAAAAAAAAAAAAAAAAAAAAAAAAAAAAAAAAAAB/f38AAAAAA8zMzADAwP8Af39/AAAAAAAAAAAAAAAAAAAAAAAAAAAAIQAAABgAAAAUAAAA0AIAALEBAABwNQAAuQgAABAAAAAmAAAACAAAAL8vAAAAAAAA"/>
               </a:ext>
             </a:extLst>
           </p:cNvSpPr>
@@ -3198,7 +3199,7 @@
             <a:spLocks noGrp="1" noChangeArrowheads="1"/>
             <a:extLst>
               <a:ext uri="smNativeData">
-                <pr:smNativeData xmlns:pr="smNativeData" xmlns="smNativeData" val="SMDATA_15_JtjWYhMAAAAlAAAAZAAAAA0AAAAAkAAAAEgAAACQAAAASAAAAAAAAAAAAAAAAAAAAAEAAABQAAAAAAAAAAAA4D8AAAAAAADgPwAAAAAAAOA/AAAAAAAA4D8AAAAAAADgPwAAAAAAAOA/AAAAAAAA4D8AAAAAAADgPwAAAAAAAOA/AAAAAAAA4D8CAAAAjAAAAAAAAAAAAAAA////AP///wgAAAAAAAAAAAAAAAAAAAAAAAAAAAAAAAAAAAAAeAAAAAEAAABAAAAAAAAAAAAAAABaAAAAAAAAAAAAAAAAAAAAAAAAAAAAAAAAAAAAAAAAAAAAAAAAAAAAAAAAAAAAAAAAAAAAAAAAAAAAAAAAAAAAAAAAAAAAAAAAAAAAFAAAADwAAAAAAAAAAAAAAAAAAAAPAAAAAQAAACMAAAAjAAAAIwAAAB4AAAAAAAAAZAAAAGQAAAAAAAAAZAAAAGQAAAAVAAAAYAAAAAAAAAAAAAAADwAAACADAAAAAAAAAAAAAAEAAACgMgAAVgcAAKr4//8BAAAAf39/AAEAAABkAAAAAAAAABQAAABAHwAAAAAAACYAAAAAAAAAwOD//wAAAAAmAAAAZAAAABYAAABMAAAAAAAAAAAAAAAEAAAAAAAAAAEAAADu7OEKAAAAACgAAAAoAAAAZAAAAGQAAAAAAAAAzMzMAAAAAABQAAAAUAAAAGQAAABkAAAAAAAAABcAAAAUAAAAAAAAAAAAAAD/fwAA/38AAAAAAAAJAAAABAAAAEFFQUEeAAAAaAAAAAAAAAAAAAAAAAAAAAAAAAAAAAAAECcAABAnAAAAAAAAAAAAAAAAAAAAAAAAAAAAAAAAAAAAAAAAAAAAABQAAAAAAAAAwMD/AAAAAABkAAAAMgAAAAAAAABkAAAAAAAAAH9/fwAKAAAAIgAAABgAAAAAAAAAAAAAAAAAAAAAAAAAAAAAAAAAAAAkAAAAJAAAAAAAAAAHAAAAAAAAAAAAAAAAAAAAAAAAAAAAAAAAAAAAf39/ACUAAABYAAAAAAAAAAAAAAAAAAAAAAAAAAAAAAAAAAAAAAAAAAAAAAAAAAAAAAAAAAAAAAA/AAAAAAAAAKCGAQAAAAAAAAAAAAAAAAAMAAAAAQAAAAAAAAAAAAAAAAAAAB8AAABUAAAA////AAAAAAEAAAAAAAAAAAAAAAAAAAAAAAAAAAAAAAAAAAAAAAAAAAAAAAB/f38AAAAAA8zMzADAwP8Af39/AAAAAAAAAAAAAAAAAAAAAAAAAAAAIQAAABgAAAAUAAAA0AIAANgJAABwNQAAsCUAABAAAAAmAAAACAAAAD8vAAAAAAAA"/>
+                <pr:smNativeData xmlns:pr="smNativeData" xmlns="smNativeData" val="SMDATA_15_iunWYhMAAAAlAAAAZAAAAA0AAAAAkAAAAEgAAACQAAAASAAAAAAAAAAAAAAAAAAAAAEAAABQAAAAAAAAAAAA4D8AAAAAAADgPwAAAAAAAOA/AAAAAAAA4D8AAAAAAADgPwAAAAAAAOA/AAAAAAAA4D8AAAAAAADgPwAAAAAAAOA/AAAAAAAA4D8CAAAAjAAAAAAAAAAAAAAA////AP///wgAAAAAAAAAAAAAAAAAAAAAAAAAAAAAAAAAAAAAeAAAAAEAAABAAAAAAAAAAAAAAABaAAAAAAAAAAAAAAAAAAAAAAAAAAAAAAAAAAAAAAAAAAAAAAAAAAAAAAAAAAAAAAAAAAAAAAAAAAAAAAAAAAAAAAAAAAAAAAAAAAAAFAAAADwAAAAAAAAAAAAAAAAAAAAPAAAAAQAAACMAAAAjAAAAIwAAAB4AAAAAAAAAZAAAAGQAAAAAAAAAZAAAAGQAAAAVAAAAYAAAAAAAAAAAAAAADwAAACADAAAAAAAAAAAAAAEAAACgMgAAVgcAAKr4//8BAAAAf39/AAEAAABkAAAAAAAAABQAAABAHwAAAAAAACYAAAAAAAAAwOD//wAAAAAmAAAAZAAAABYAAABMAAAAAAAAAAAAAAAEAAAAAAAAAAEAAADu7OEKAAAAACgAAAAoAAAAZAAAAGQAAAAAAAAAzMzMAAAAAABQAAAAUAAAAGQAAABkAAAAAAAAABcAAAAUAAAAAAAAAAAAAAD/fwAA/38AAAAAAAAJAAAABAAAAEFFQUEeAAAAaAAAAAAAAAAAAAAAAAAAAAAAAAAAAAAAECcAABAnAAAAAAAAAAAAAAAAAAAAAAAAAAAAAAAAAAAAAAAAAAAAABQAAAAAAAAAwMD/AAAAAABkAAAAMgAAAAAAAABkAAAAAAAAAH9/fwAKAAAAIgAAABgAAAAAAAAAAAAAAAAAAAAAAAAAAAAAAAAAAAAkAAAAJAAAAAAAAAAHAAAAAAAAAAAAAAAAAAAAAAAAAAAAAAAAAAAAf39/ACUAAABYAAAAAAAAAAAAAAAAAAAAAAAAAAAAAAAAAAAAAAAAAAAAAAAAAAAAAAAAAAAAAAA/AAAAAAAAAKCGAQAAAAAAAAAAAAAAAAAMAAAAAQAAAAAAAAAAAAAAAAAAAB8AAABUAAAA////AAAAAAEAAAAAAAAAAAAAAAAAAAAAAAAAAAAAAAAAAAAAAAAAAAAAAAB/f38AAAAAA8zMzADAwP8Af39/AAAAAAAAAAAAAAAAAAAAAAAAAAAAIQAAABgAAAAUAAAA0AIAANgJAABwNQAAsCUAABAAAAAmAAAACAAAAD8vAAAAAAAA"/>
               </a:ext>
             </a:extLst>
           </p:cNvSpPr>
@@ -3271,7 +3272,7 @@
             <a:spLocks noGrp="1" noChangeArrowheads="1"/>
             <a:extLst>
               <a:ext uri="smNativeData">
-                <pr:smNativeData xmlns:pr="smNativeData" xmlns="smNativeData" val="SMDATA_15_JtjWYhMAAAAlAAAAZAAAAA0AAAAAkAAAAEgAAACQAAAASAAAAAAAAAABAAAAAAAAAAEAAABQAAAAAAAAAAAA4D8AAAAAAADgPwAAAAAAAOA/AAAAAAAA4D8AAAAAAADgPwAAAAAAAOA/AAAAAAAA4D8AAAAAAADgPwAAAAAAAOA/AAAAAAAA4D8CAAAAjAAAAAAAAAAAAAAA////AP///wgAAAAAAAAAAAAAAAAAAAAAAAAAAAAAAAAAAAAAeAAAAAEAAABAAAAAAAAAAAAAAABaAAAAAAAAAAAAAAAAAAAAAAAAAAAAAAAAAAAAAAAAAAAAAAAAAAAAAAAAAAAAAAAAAAAAAAAAAAAAAAAAAAAAAAAAAAAAAAAAAAAAFAAAADwAAAAAAAAAAAAAAAAAAAAPAAAAAQAAACMAAAAjAAAAIwAAAB4AAAAAAAAAZAAAAGQAAAAAAAAAZAAAAGQAAAAVAAAAYAAAAAAAAAAAAAAADwAAACADAAAAAAAAAAAAAAEAAACgMgAAVgcAAKr4//8BAAAAf39/AAEAAABkAAAAAAAAABQAAABAHwAAAAAAACYAAAAAAAAAwOD//wAAAAAmAAAAZAAAABYAAABMAAAAAAAAAAAAAAAEAAAAAAAAAAEAAADu7OEKAAAAACgAAAAoAAAAZAAAAGQAAAAAAAAAzMzMAAAAAABQAAAAUAAAAGQAAABkAAAAAAAAABcAAAAUAAAAAAAAAAAAAAD/fwAA/38AAAAAAAAJAAAABAAAAHIgc3oeAAAAaAAAAAAAAAAAAAAAAAAAAAAAAAAAAAAAECcAABAnAAAAAAAAAAAAAAAAAAAAAAAAAAAAAAAAAAAAAAAAAAAAABQAAAAAAAAAwMD/AAAAAABkAAAAMgAAAAAAAABkAAAAAAAAAH9/fwAKAAAAIgAAABgAAAAAAAAAAAAAAAAAAAAAAAAAAAAAAAAAAAAkAAAAJAAAAAAAAAAHAAAAAAAAAAAAAAAAAAAAAAAAAAAAAAAAAAAAf39/ACUAAABYAAAAAAAAAAAAAAAAAAAAAAAAAAAAAAAAAAAAAAAAAAAAAAAAAAAAAAAAAAAAAAA/AAAAAAAAAKCGAQAAAAAAAAAAAAAAAAAMAAAAAQAAAAAAAAAAAAAAAAAAAB8AAABUAAAA////AAAAAAEAAAAAAAAAAAAAAAAAAAAAAAAAAAAAAAAAAAAAAAAAAAAAAAB/f38AAAAAA8zMzADAwP8Af39/AAAAAAAAAAAAAAAAAAAAAAAAAAAAIQAAABgAAAAUAAAA0AIAABonAADwDwAAWSkAABAAAAAmAAAACAAAAL+PAAAAAAAA"/>
+                <pr:smNativeData xmlns:pr="smNativeData" xmlns="smNativeData" val="SMDATA_15_iunWYhMAAAAlAAAAZAAAAA0AAAAAkAAAAEgAAACQAAAASAAAAAAAAAABAAAAAAAAAAEAAABQAAAAAAAAAAAA4D8AAAAAAADgPwAAAAAAAOA/AAAAAAAA4D8AAAAAAADgPwAAAAAAAOA/AAAAAAAA4D8AAAAAAADgPwAAAAAAAOA/AAAAAAAA4D8CAAAAjAAAAAAAAAAAAAAA////AP///wgAAAAAAAAAAAAAAAAAAAAAAAAAAAAAAAAAAAAAeAAAAAEAAABAAAAAAAAAAAAAAABaAAAAAAAAAAAAAAAAAAAAAAAAAAAAAAAAAAAAAAAAAAAAAAAAAAAAAAAAAAAAAAAAAAAAAAAAAAAAAAAAAAAAAAAAAAAAAAAAAAAAFAAAADwAAAAAAAAAAAAAAAAAAAAPAAAAAQAAACMAAAAjAAAAIwAAAB4AAAAAAAAAZAAAAGQAAAAAAAAAZAAAAGQAAAAVAAAAYAAAAAAAAAAAAAAADwAAACADAAAAAAAAAAAAAAEAAACgMgAAVgcAAKr4//8BAAAAf39/AAEAAABkAAAAAAAAABQAAABAHwAAAAAAACYAAAAAAAAAwOD//wAAAAAmAAAAZAAAABYAAABMAAAAAAAAAAAAAAAEAAAAAAAAAAEAAADu7OEKAAAAACgAAAAoAAAAZAAAAGQAAAAAAAAAzMzMAAAAAABQAAAAUAAAAGQAAABkAAAAAAAAABcAAAAUAAAAAAAAAAAAAAD/fwAA/38AAAAAAAAJAAAABAAAAHIgc3oeAAAAaAAAAAAAAAAAAAAAAAAAAAAAAAAAAAAAECcAABAnAAAAAAAAAAAAAAAAAAAAAAAAAAAAAAAAAAAAAAAAAAAAABQAAAAAAAAAwMD/AAAAAABkAAAAMgAAAAAAAABkAAAAAAAAAH9/fwAKAAAAIgAAABgAAAAAAAAAAAAAAAAAAAAAAAAAAAAAAAAAAAAkAAAAJAAAAAAAAAAHAAAAAAAAAAAAAAAAAAAAAAAAAAAAAAAAAAAAf39/ACUAAABYAAAAAAAAAAAAAAAAAAAAAAAAAAAAAAAAAAAAAAAAAAAAAAAAAAAAAAAAAAAAAAA/AAAAAAAAAKCGAQAAAAAAAAAAAAAAAAAMAAAAAQAAAAAAAAAAAAAAAAAAAB8AAABUAAAA////AAAAAAEAAAAAAAAAAAAAAAAAAAAAAAAAAAAAAAAAAAAAAAAAAAAAAAB/f38AAAAAA8zMzADAwP8Af39/AAAAAAAAAAAAAAAAAAAAAAAAAAAAIQAAABgAAAAUAAAA0AIAABonAADwDwAAWSkAABAAAAAmAAAACAAAAL+PAAAAAAAA"/>
               </a:ext>
             </a:extLst>
           </p:cNvSpPr>
@@ -3331,7 +3332,7 @@
             <a:pPr>
               <a:defRPr lang="fr-fr"/>
             </a:pPr>
-            <a:fld id="{15ED0E3A-74F8-B8F8-B655-82AD401B40D7}" type="datetime1">
+            <a:fld id="{6BEF101F-5186-BAE6-C857-A7B35E193EF2}" type="datetime1">
               <a:t/>
             </a:fld>
           </a:p>
@@ -3344,7 +3345,7 @@
             <a:spLocks noGrp="1" noChangeArrowheads="1"/>
             <a:extLst>
               <a:ext uri="smNativeData">
-                <pr:smNativeData xmlns:pr="smNativeData" xmlns="smNativeData" val="SMDATA_15_JtjWYhMAAAAlAAAAZAAAAA0AAAAAkAAAAEgAAACQAAAASAAAAAAAAAABAAAAAAAAAAEAAABQAAAAAAAAAAAA4D8AAAAAAADgPwAAAAAAAOA/AAAAAAAA4D8AAAAAAADgPwAAAAAAAOA/AAAAAAAA4D8AAAAAAADgPwAAAAAAAOA/AAAAAAAA4D8CAAAAjAAAAAAAAAAAAAAA////AP///wgAAAAAAAAAAAAAAAAAAAAAAAAAAAAAAAAAAAAAeAAAAAEAAABAAAAAAAAAAAAAAABaAAAAAAAAAAAAAAAAAAAAAAAAAAAAAAAAAAAAAAAAAAAAAAAAAAAAAAAAAAAAAAAAAAAAAAAAAAAAAAAAAAAAAAAAAAAAAAAAAAAAFAAAADwAAAAAAAAAAAAAAAAAAAAPAAAAAQAAACMAAAAjAAAAIwAAAB4AAAAAAAAAZAAAAGQAAAAAAAAAZAAAAGQAAAAVAAAAYAAAAAAAAAAAAAAADwAAACADAAAAAAAAAAAAAAEAAACgMgAAVgcAAKr4//8BAAAAf39/AAEAAABkAAAAAAAAABQAAABAHwAAAAAAACYAAAAAAAAAwOD//wAAAAAmAAAAZAAAABYAAABMAAAAAAAAAAAAAAAEAAAAAAAAAAEAAADu7OEKAAAAACgAAAAoAAAAZAAAAGQAAAAAAAAAzMzMAAAAAABQAAAAUAAAAGQAAABkAAAAAAAAABcAAAAUAAAAAAAAAAAAAAD/fwAA/38AAAAAAAAJAAAABAAAAEJRQUEeAAAAaAAAAAAAAAAAAAAAAAAAAAAAAAAAAAAAECcAABAnAAAAAAAAAAAAAAAAAAAAAAAAAAAAAAAAAAAAAAAAAAAAABQAAAAAAAAAwMD/AAAAAABkAAAAMgAAAAAAAABkAAAAAAAAAH9/fwAKAAAAIgAAABgAAAAAAAAAAAAAAAAAAAAAAAAAAAAAAAAAAAAkAAAAJAAAAAAAAAAHAAAAAAAAAAAAAAAAAAAAAAAAAAAAAAAAAAAAf39/ACUAAABYAAAAAAAAAAAAAAAAAAAAAAAAAAAAAAAAAAAAAAAAAAAAAAAAAAAAAAAAAAAAAAA/AAAAAAAAAKCGAQAAAAAAAAAAAAAAAAAMAAAAAQAAAAAAAAAAAAAAAAAAAB8AAABUAAAA////AAAAAAEAAAAAAAAAAAAAAAAAAAAAAAAAAAAAAAAAAAAAAAAAAAAAAAB/f38AAAAAA8zMzADAwP8Af39/AAAAAAAAAAAAAAAAAAAAAAAAAAAAIQAAABgAAAAUAAAAOBMAABonAAAIJQAAWSkAABAAAAAmAAAACAAAAL+PAAAAAAAA"/>
+                <pr:smNativeData xmlns:pr="smNativeData" xmlns="smNativeData" val="SMDATA_15_iunWYhMAAAAlAAAAZAAAAA0AAAAAkAAAAEgAAACQAAAASAAAAAAAAAABAAAAAAAAAAEAAABQAAAAAAAAAAAA4D8AAAAAAADgPwAAAAAAAOA/AAAAAAAA4D8AAAAAAADgPwAAAAAAAOA/AAAAAAAA4D8AAAAAAADgPwAAAAAAAOA/AAAAAAAA4D8CAAAAjAAAAAAAAAAAAAAA////AP///wgAAAAAAAAAAAAAAAAAAAAAAAAAAAAAAAAAAAAAeAAAAAEAAABAAAAAAAAAAAAAAABaAAAAAAAAAAAAAAAAAAAAAAAAAAAAAAAAAAAAAAAAAAAAAAAAAAAAAAAAAAAAAAAAAAAAAAAAAAAAAAAAAAAAAAAAAAAAAAAAAAAAFAAAADwAAAAAAAAAAAAAAAAAAAAPAAAAAQAAACMAAAAjAAAAIwAAAB4AAAAAAAAAZAAAAGQAAAAAAAAAZAAAAGQAAAAVAAAAYAAAAAAAAAAAAAAADwAAACADAAAAAAAAAAAAAAEAAACgMgAAVgcAAKr4//8BAAAAf39/AAEAAABkAAAAAAAAABQAAABAHwAAAAAAACYAAAAAAAAAwOD//wAAAAAmAAAAZAAAABYAAABMAAAAAAAAAAAAAAAEAAAAAAAAAAEAAADu7OEKAAAAACgAAAAoAAAAZAAAAGQAAAAAAAAAzMzMAAAAAABQAAAAUAAAAGQAAABkAAAAAAAAABcAAAAUAAAAAAAAAAAAAAD/fwAA/38AAAAAAAAJAAAABAAAAEJRQUEeAAAAaAAAAAAAAAAAAAAAAAAAAAAAAAAAAAAAECcAABAnAAAAAAAAAAAAAAAAAAAAAAAAAAAAAAAAAAAAAAAAAAAAABQAAAAAAAAAwMD/AAAAAABkAAAAMgAAAAAAAABkAAAAAAAAAH9/fwAKAAAAIgAAABgAAAAAAAAAAAAAAAAAAAAAAAAAAAAAAAAAAAAkAAAAJAAAAAAAAAAHAAAAAAAAAAAAAAAAAAAAAAAAAAAAAAAAAAAAf39/ACUAAABYAAAAAAAAAAAAAAAAAAAAAAAAAAAAAAAAAAAAAAAAAAAAAAAAAAAAAAAAAAAAAAA/AAAAAAAAAKCGAQAAAAAAAAAAAAAAAAAMAAAAAQAAAAAAAAAAAAAAAAAAAB8AAABUAAAA////AAAAAAEAAAAAAAAAAAAAAAAAAAAAAAAAAAAAAAAAAAAAAAAAAAAAAAB/f38AAAAAA8zMzADAwP8Af39/AAAAAAAAAAAAAAAAAAAAAAAAAAAAIQAAABgAAAAUAAAAOBMAABonAAAIJQAAWSkAABAAAAAmAAAACAAAAL+PAAAAAAAA"/>
               </a:ext>
             </a:extLst>
           </p:cNvSpPr>
@@ -3414,7 +3415,7 @@
             <a:spLocks noGrp="1" noChangeArrowheads="1"/>
             <a:extLst>
               <a:ext uri="smNativeData">
-                <pr:smNativeData xmlns:pr="smNativeData" xmlns="smNativeData" val="SMDATA_15_JtjWYhMAAAAlAAAAZAAAAA0AAAAAkAAAAEgAAACQAAAASAAAAAAAAAABAAAAAAAAAAEAAABQAAAAAAAAAAAA4D8AAAAAAADgPwAAAAAAAOA/AAAAAAAA4D8AAAAAAADgPwAAAAAAAOA/AAAAAAAA4D8AAAAAAADgPwAAAAAAAOA/AAAAAAAA4D8CAAAAjAAAAAAAAAAAAAAA////AP///wgAAAAAAAAAAAAAAAAAAAAAAAAAAAAAAAAAAAAAeAAAAAEAAABAAAAAAAAAAAAAAABaAAAAAAAAAAAAAAAAAAAAAAAAAAAAAAAAAAAAAAAAAAAAAAAAAAAAAAAAAAAAAAAAAAAAAAAAAAAAAAAAAAAAAAAAAAAAAAAAAAAAFAAAADwAAAAAAAAAAAAAAAAAAAAPAAAAAQAAACMAAAAjAAAAIwAAAB4AAAAAAAAAZAAAAGQAAAAAAAAAZAAAAGQAAAAVAAAAYAAAAAAAAAAAAAAADwAAACADAAAAAAAAAAAAAAEAAACgMgAAVgcAAKr4//8BAAAAf39/AAEAAABkAAAAAAAAABQAAABAHwAAAAAAACYAAAAAAAAAwOD//wAAAAAmAAAAZAAAABYAAABMAAAAAAAAAAAAAAAEAAAAAAAAAAEAAADu7OEKAAAAACgAAAAoAAAAZAAAAGQAAAAAAAAAzMzMAAAAAABQAAAAUAAAAGQAAABkAAAAAAAAABcAAAAUAAAAAAAAAAAAAAD/fwAA/38AAAAAAAAJAAAABAAAABAZAAAeAAAAaAAAAAAAAAAAAAAAAAAAAAAAAAAAAAAAECcAABAnAAAAAAAAAAAAAAAAAAAAAAAAAAAAAAAAAAAAAAAAAAAAABQAAAAAAAAAwMD/AAAAAABkAAAAMgAAAAAAAABkAAAAAAAAAH9/fwAKAAAAIgAAABgAAAAAAAAAAAAAAAAAAAAAAAAAAAAAAAAAAAAkAAAAJAAAAAAAAAAHAAAAAAAAAAAAAAAAAAAAAAAAAAAAAAAAAAAAf39/ACUAAABYAAAAAAAAAAAAAAAAAAAAAAAAAAAAAAAAAAAAAAAAAAAAAAAAAAAAAAAAAAAAAAA/AAAAAAAAAKCGAQAAAAAAAAAAAAAAAAAMAAAAAQAAAAAAAAAAAAAAAAAAAB8AAABUAAAA////AAAAAAEAAAAAAAAAAAAAAAAAAAAAAAAAAAAAAAAAAAAAAAAAAAAAAAB/f38AAAAAA8zMzADAwP8Af39/AAAAAAAAAAAAAAAAAAAAAAAAAAAAIQAAABgAAAAUAAAAUCgAABonAABwNQAAWSkAABAAAAAmAAAACAAAAL+PAAAAAAAA"/>
+                <pr:smNativeData xmlns:pr="smNativeData" xmlns="smNativeData" val="SMDATA_15_iunWYhMAAAAlAAAAZAAAAA0AAAAAkAAAAEgAAACQAAAASAAAAAAAAAABAAAAAAAAAAEAAABQAAAAAAAAAAAA4D8AAAAAAADgPwAAAAAAAOA/AAAAAAAA4D8AAAAAAADgPwAAAAAAAOA/AAAAAAAA4D8AAAAAAADgPwAAAAAAAOA/AAAAAAAA4D8CAAAAjAAAAAAAAAAAAAAA////AP///wgAAAAAAAAAAAAAAAAAAAAAAAAAAAAAAAAAAAAAeAAAAAEAAABAAAAAAAAAAAAAAABaAAAAAAAAAAAAAAAAAAAAAAAAAAAAAAAAAAAAAAAAAAAAAAAAAAAAAAAAAAAAAAAAAAAAAAAAAAAAAAAAAAAAAAAAAAAAAAAAAAAAFAAAADwAAAAAAAAAAAAAAAAAAAAPAAAAAQAAACMAAAAjAAAAIwAAAB4AAAAAAAAAZAAAAGQAAAAAAAAAZAAAAGQAAAAVAAAAYAAAAAAAAAAAAAAADwAAACADAAAAAAAAAAAAAAEAAACgMgAAVgcAAKr4//8BAAAAf39/AAEAAABkAAAAAAAAABQAAABAHwAAAAAAACYAAAAAAAAAwOD//wAAAAAmAAAAZAAAABYAAABMAAAAAAAAAAAAAAAEAAAAAAAAAAEAAADu7OEKAAAAACgAAAAoAAAAZAAAAGQAAAAAAAAAzMzMAAAAAABQAAAAUAAAAGQAAABkAAAAAAAAABcAAAAUAAAAAAAAAAAAAAD/fwAA/38AAAAAAAAJAAAABAAAABAZAAAeAAAAaAAAAAAAAAAAAAAAAAAAAAAAAAAAAAAAECcAABAnAAAAAAAAAAAAAAAAAAAAAAAAAAAAAAAAAAAAAAAAAAAAABQAAAAAAAAAwMD/AAAAAABkAAAAMgAAAAAAAABkAAAAAAAAAH9/fwAKAAAAIgAAABgAAAAAAAAAAAAAAAAAAAAAAAAAAAAAAAAAAAAkAAAAJAAAAAAAAAAHAAAAAAAAAAAAAAAAAAAAAAAAAAAAAAAAAAAAf39/ACUAAABYAAAAAAAAAAAAAAAAAAAAAAAAAAAAAAAAAAAAAAAAAAAAAAAAAAAAAAAAAAAAAAA/AAAAAAAAAKCGAQAAAAAAAAAAAAAAAAAMAAAAAQAAAAAAAAAAAAAAAAAAAB8AAABUAAAA////AAAAAAEAAAAAAAAAAAAAAAAAAAAAAAAAAAAAAAAAAAAAAAAAAAAAAAB/f38AAAAAA8zMzADAwP8Af39/AAAAAAAAAAAAAAAAAAAAAAAAAAAAIQAAABgAAAAUAAAAUCgAABonAABwNQAAWSkAABAAAAAmAAAACAAAAL+PAAAAAAAA"/>
               </a:ext>
             </a:extLst>
           </p:cNvSpPr>
@@ -3474,7 +3475,7 @@
             <a:pPr>
               <a:defRPr lang="fr-fr"/>
             </a:pPr>
-            <a:fld id="{418141F5-BBAC-D4B7-E239-4DE20F771418}" type="slidenum">
+            <a:fld id="{13609FD9-97FE-3569-B0D8-613CD1964634}" type="slidenum">
               <a:t/>
             </a:fld>
           </a:p>
@@ -4153,7 +4154,7 @@
             <a:spLocks noGrp="1" noChangeArrowheads="1"/>
             <a:extLst>
               <a:ext uri="smNativeData">
-                <pr:smNativeData xmlns:pr="smNativeData" xmlns="smNativeData" val="SMDATA_15_JtjWYhMAAAAlAAAAZAAAAA0AAAAAkAAAAEgAAACQAAAASAAAAAAAAAABAAAAAAAAAAEAAABQAAAAAAAAAAAA4D8AAAAAAADgPwAAAAAAAOA/AAAAAAAA4D8AAAAAAADgPwAAAAAAAOA/AAAAAAAA4D8AAAAAAADgPwAAAAAAAOA/AAAAAAAA4D8CAAAAjAAAAAAAAAAAAAAAT4G9DP///wgAAAAAAAAAAAAAAAAAAAAAAAAAAAAAAAAAAAAAZAAAAAEAAABAAAAAAAAAAAAAAAAAAAAAAAAAAAAAAAAAAAAAAAAAAAAAAAAAAAAAAAAAAAAAAAAAAAAAAAAAAAAAAAAAAAAAAAAAAAAAAAAAAAAAAAAAAAAAAAAAAAAAFAAAADwAAAAAAAAAAAAAAAAAAAkUAAAAAQAAABQAAAAUAAAAFAAAAAEAAAAAAAAAZAAAAGQAAAAAAAAAZAAAAGQAAAAVAAAAYAAAAAAAAAAAAAAADwAAACADAAAAAAAAAAAAAAEAAACgMgAAVgcAAKr4//8BAAAAf39/AAEAAABkAAAAAAAAABQAAABAHwAAAAAAACYAAAAAAAAAwOD//wAAAAAmAAAAZAAAABYAAABMAAAAAAAAAAAAAAAEAAAAAAAAAAEAAADu7OEKAAAAACgAAAAoAAAAZAAAAGQAAAAAAAAAzMzMAAAAAABQAAAAUAAAAGQAAABkAAAAAAAAABcAAAAUAAAAAAAAAAAAAAD/fwAA/38AAAAAAAAJAAAABAAAABB7SpceAAAAaAAAAAAAAAAAAAAAAAAAAAAAAAAAAAAAECcAABAnAAAAAAAAAAAAAAAAAAAAAAAAAAAAAAAAAAAAAAAAAAAAABQAAAAAAAAAwMD/AAAAAABkAAAAMgAAAAAAAABkAAAAAAAAAH9/fwAKAAAAIgAAABgAAAAAAAAAAAAAAAAAAAAAAAAAAAAAAAAAAAAkAAAAJAAAAAAAAAAHAAAAAAAAAAAAAAAAAAAAAAAAAAAAAAAAAAAAf39/ACUAAABYAAAAAAAAAAAAAAAAAAAAAAAAAAAAAAAAAAAAAAAAAAAAAAAAAAAAAAAAAAAAAAA/AAAAAAAAAKCGAQAAAAAAAAAAAAAAAAAMAAAAAQAAAAAAAAAAAAAAAAAAAB8AAABUAAAAT4G9Bf///wEAAAAAAAAAAAAAAAAAAAAAAAAAAAAAAAAAAAAAAAAAAAAAAAJ/f38A7uzhA8zMzADAwP8Af39/AAAAAAAAAAAAAAAAAAAAAAAAAAAAIQAAABgAAAAUAAAAOAQAABsNAAAINAAAJhYAABAAAAAmAAAACAAAAAAAAAAAAAAA"/>
+                <pr:smNativeData xmlns:pr="smNativeData" xmlns="smNativeData" val="SMDATA_15_iunWYhMAAAAlAAAAZAAAAA0AAAAAkAAAAEgAAACQAAAASAAAAAAAAAABAAAAAAAAAAEAAABQAAAAAAAAAAAA4D8AAAAAAADgPwAAAAAAAOA/AAAAAAAA4D8AAAAAAADgPwAAAAAAAOA/AAAAAAAA4D8AAAAAAADgPwAAAAAAAOA/AAAAAAAA4D8CAAAAjAAAAAAAAAAAAAAAT4G9DP///wgAAAAAAAAAAAAAAAAAAAAAAAAAAAAAAAAAAAAAZAAAAAEAAABAAAAAAAAAAAAAAAAAAAAAAAAAAAAAAAAAAAAAAAAAAAAAAAAAAAAAAAAAAAAAAAAAAAAAAAAAAAAAAAAAAAAAAAAAAAAAAAAAAAAAAAAAAAAAAAAAAAAAFAAAADwAAAAAAAAAAAAAAAAAAAkUAAAAAQAAABQAAAAUAAAAFAAAAAEAAAAAAAAAZAAAAGQAAAAAAAAAZAAAAGQAAAAVAAAAYAAAAAAAAAAAAAAADwAAACADAAAAAAAAAAAAAAEAAACgMgAAVgcAAKr4//8BAAAAf39/AAEAAABkAAAAAAAAABQAAABAHwAAAAAAACYAAAAAAAAAwOD//wAAAAAmAAAAZAAAABYAAABMAAAAAAAAAAAAAAAEAAAAAAAAAAEAAADu7OEKAAAAACgAAAAoAAAAZAAAAGQAAAAAAAAAzMzMAAAAAABQAAAAUAAAAGQAAABkAAAAAAAAABcAAAAUAAAAAAAAAAAAAAD/fwAA/38AAAAAAAAJAAAABAAAABB7SpceAAAAaAAAAAAAAAAAAAAAAAAAAAAAAAAAAAAAECcAABAnAAAAAAAAAAAAAAAAAAAAAAAAAAAAAAAAAAAAAAAAAAAAABQAAAAAAAAAwMD/AAAAAABkAAAAMgAAAAAAAABkAAAAAAAAAH9/fwAKAAAAIgAAABgAAAAAAAAAAAAAAAAAAAAAAAAAAAAAAAAAAAAkAAAAJAAAAAAAAAAHAAAAAAAAAAAAAAAAAAAAAAAAAAAAAAAAAAAAf39/ACUAAABYAAAAAAAAAAAAAAAAAAAAAAAAAAAAAAAAAAAAAAAAAAAAAAAAAAAAAAAAAAAAAAA/AAAAAAAAAKCGAQAAAAAAAAAAAAAAAAAMAAAAAQAAAAAAAAAAAAAAAAAAAB8AAABUAAAAT4G9Bf///wEAAAAAAAAAAAAAAAAAAAAAAAAAAAAAAAAAAAAAAAAAAAAAAAJ/f38A7uzhA8zMzADAwP8Af39/AAAAAAAAAAAAAAAAAAAAAAAAAAAAIQAAABgAAAAUAAAAOAQAABsNAAAINAAAJhYAABAAAAAmAAAACAAAAAAAAAAAAAAA"/>
               </a:ext>
             </a:extLst>
           </p:cNvSpPr>
@@ -4182,7 +4183,7 @@
             <a:spLocks noGrp="1" noChangeArrowheads="1"/>
             <a:extLst>
               <a:ext uri="smNativeData">
-                <pr:smNativeData xmlns:pr="smNativeData" xmlns="smNativeData" val="SMDATA_15_JtjWYhMAAAAlAAAAZAAAAA0AAAAAkAAAAEgAAACQAAAASAAAAAAAAAAAAAAAAAAAAAEAAABQAAAAAAAAAAAA4D8AAAAAAADgPwAAAAAAAOA/AAAAAAAA4D8AAAAAAADgPwAAAAAAAOA/AAAAAAAA4D8AAAAAAADgPwAAAAAAAOA/AAAAAAAA4D8CAAAAjAAAAAAAAAAAAAAAT4G9DP///wgAAAAAAAAAAAAAAAAAAAAAAAAAAAAAAAAAAAAAZAAAAAEAAABAAAAAAAAAAAAAAAAAAAAAAAAAAAAAAAAAAAAAAAAAAAAAAAAAAAAAAAAAAAAAAAAAAAAAAAAAAAAAAAAAAAAAAAAAAAAAAAAAAAAAAAAAAAAAAAAAAAAAFAAAADwAAAAAAAAAAAAAAAAAAAkUAAAAAQAAABQAAAAUAAAAFAAAAAEAAAAAAAAAZAAAAGQAAAAAAAAAZAAAAGQAAAAVAAAAYAAAAAAAAAAAAAAADwAAACADAAAAAAAAAAAAAAEAAACgMgAAVgcAAKr4//8BAAAAf39/AAEAAABkAAAAAAAAABQAAABAHwAAAAAAACYAAAAAAAAAwOD//wAAAAAmAAAAZAAAABYAAABMAAAAAAAAAAAAAAAEAAAAAAAAAAEAAADu7OEKAAAAACgAAAAoAAAAZAAAAGQAAAAAAAAAzMzMAAAAAABQAAAAUAAAAGQAAABkAAAAAAAAABcAAAAUAAAAAAAAAAAAAAD/fwAA/38AAAAAAAAJAAAABAAAAFRhcmceAAAAaAAAAAAAAAAAAAAAAAAAAAAAAAAAAAAAECcAABAnAAAAAAAAAAAAAAAAAAAAAAAAAAAAAAAAAAAAAAAAAAAAABQAAAAAAAAAwMD/AAAAAABkAAAAMgAAAAAAAABkAAAAAAAAAH9/fwAKAAAAIgAAABgAAAAAAAAAAAAAAAAAAAAAAAAAAAAAAAAAAAAkAAAAJAAAAAAAAAAHAAAAAAAAAAAAAAAAAAAAAAAAAAAAAAAAAAAAf39/ACUAAABYAAAAAAAAAAAAAAAAAAAAAAAAAAAAAAAAAAAAAAAAAAAAAAAAAAAAAAAAAAAAAAA/AAAAAAAAAKCGAQAAAAAAAAAAAAAAAAAMAAAAAQAAAAAAAAAAAAAAAAAAAB8AAABUAAAAT4G9Bf///wEAAAAAAAAAAAAAAAAAAAAAAAAAAAAAAAAAAAAAAAAAAAAAAAJ/f38A7uzhA8zMzADAwP8Af39/AAAAAAAAAAAAAAAAAAAAAAAAAAAAIQAAABgAAAAUAAAAcAgAAOgXAADQLwAAcCYAABAAAAAmAAAACAAAAAEgAAAAAAAA"/>
+                <pr:smNativeData xmlns:pr="smNativeData" xmlns="smNativeData" val="SMDATA_15_iunWYhMAAAAlAAAAZAAAAA0AAAAAkAAAAEgAAACQAAAASAAAAAAAAAAAAAAAAAAAAAEAAABQAAAAAAAAAAAA4D8AAAAAAADgPwAAAAAAAOA/AAAAAAAA4D8AAAAAAADgPwAAAAAAAOA/AAAAAAAA4D8AAAAAAADgPwAAAAAAAOA/AAAAAAAA4D8CAAAAjAAAAAAAAAAAAAAAT4G9DP///wgAAAAAAAAAAAAAAAAAAAAAAAAAAAAAAAAAAAAAZAAAAAEAAABAAAAAAAAAAAAAAAAAAAAAAAAAAAAAAAAAAAAAAAAAAAAAAAAAAAAAAAAAAAAAAAAAAAAAAAAAAAAAAAAAAAAAAAAAAAAAAAAAAAAAAAAAAAAAAAAAAAAAFAAAADwAAAAAAAAAAAAAAAAAAAkUAAAAAQAAABQAAAAUAAAAFAAAAAEAAAAAAAAAZAAAAGQAAAAAAAAAZAAAAGQAAAAVAAAAYAAAAAAAAAAAAAAADwAAACADAAAAAAAAAAAAAAEAAACgMgAAVgcAAKr4//8BAAAAf39/AAEAAABkAAAAAAAAABQAAABAHwAAAAAAACYAAAAAAAAAwOD//wAAAAAmAAAAZAAAABYAAABMAAAAAAAAAAAAAAAEAAAAAAAAAAEAAADu7OEKAAAAACgAAAAoAAAAZAAAAGQAAAAAAAAAzMzMAAAAAABQAAAAUAAAAGQAAABkAAAAAAAAABcAAAAUAAAAAAAAAAAAAAD/fwAA/38AAAAAAAAJAAAABAAAAFRhcmceAAAAaAAAAAAAAAAAAAAAAAAAAAAAAAAAAAAAECcAABAnAAAAAAAAAAAAAAAAAAAAAAAAAAAAAAAAAAAAAAAAAAAAABQAAAAAAAAAwMD/AAAAAABkAAAAMgAAAAAAAABkAAAAAAAAAH9/fwAKAAAAIgAAABgAAAAAAAAAAAAAAAAAAAAAAAAAAAAAAAAAAAAkAAAAJAAAAAAAAAAHAAAAAAAAAAAAAAAAAAAAAAAAAAAAAAAAAAAAf39/ACUAAABYAAAAAAAAAAAAAAAAAAAAAAAAAAAAAAAAAAAAAAAAAAAAAAAAAAAAAAAAAAAAAAA/AAAAAAAAAKCGAQAAAAAAAAAAAAAAAAAMAAAAAQAAAAAAAAAAAAAAAAAAAB8AAABUAAAAT4G9Bf///wEAAAAAAAAAAAAAAAAAAAAAAAAAAAAAAAAAAAAAAAAAAAAAAAJ/f38A7uzhA8zMzADAwP8Af39/AAAAAAAAAAAAAAAAAAAAAAAAAAAAIQAAABgAAAAUAAAAcAgAAOgXAADQLwAAcCYAAAAAAAAmAAAACAAAAAEgAAAAAAAA"/>
               </a:ext>
             </a:extLst>
           </p:cNvSpPr>
@@ -4273,20 +4274,6 @@
               <a:t>Michael Landis</a:t>
             </a:r>
           </a:p>
-          <a:p>
-            <a:pPr>
-              <a:lnSpc>
-                <a:spcPct val="80000"/>
-              </a:lnSpc>
-              <a:spcBef>
-                <a:spcPts val="535"/>
-              </a:spcBef>
-              <a:defRPr lang="fr-fr" sz="2240" cap="none"/>
-            </a:pPr>
-            <a:r>
-              <a:t>Guillaume Kon Kam King</a:t>
-            </a:r>
-          </a:p>
         </p:txBody>
       </p:sp>
       <p:pic>
@@ -4296,7 +4283,7 @@
             <a:picLocks noChangeAspect="1"/>
             <a:extLst>
               <a:ext uri="smNativeData">
-                <pr:smNativeData xmlns:pr="smNativeData" xmlns="smNativeData" val="SMDATA_17_JtjWYhMAAAAlAAAAEQAAAC0AAAAAkAAAAEgAAACQAAAASAAAAAAAAAAAAAAAAAAAAAEAAABQAAAAAAAAAAAA4D8AAAAAAADgPwAAAAAAAOA/AAAAAAAA4D8AAAAAAADgPwAAAAAAAOA/AAAAAAAA4D8AAAAAAADgPwAAAAAAAOA/AAAAAAAA4D8CAAAAjAAAAAAAAAAAAAAAT4G9DP///wgAAAAAAAAAAAAAAAAAAAAAAAAAAAAAAAAAAAAAZAAAAAEAAABAAAAAAAAAAAAAAAAAAAAAAAAAAAAAAAAAAAAAAAAAAAAAAAAAAAAAAAAAAAAAAAAAAAAAAAAAAAAAAAAAAAAAAAAAAAAAAAAAAAAAAAAAAAAAAAAAAAAAFAAAADwAAAAAAAAAAAAAAAAAAAkUAAAAAQAAABQAAAAUAAAAFAAAAAEAAAAAAAAAZAAAAGQAAAAAAAAAZAAAAGQAAAAVAAAAYAAAAAAAAAAAAAAADwAAACADAAAAAAAAAAAAAAEAAACgMgAAVgcAAKr4//8BAAAAf39/AAEAAABkAAAAAAAAABQAAABAHwAAAAAAACYAAAAAAAAAwOD//wAAAAAmAAAAZAAAABYAAABMAAAAAAAAAAAAAAAEAAAAAAAAAAEAAADu7OEKAAAAACgAAAAoAAAAZAAAAGQAAAAAAAAAzMzMAAAAAABQAAAAUAAAAGQAAABkAAAAAAAAAAcAAAA4AAAAAAAAAAAAAAAAAAAA////AAAAAAAAAAAAAAAAAAAAAAAAAAAAAAAAAAAAAABkAAAAZAAAAAAAAAAjAAAABAAAAGQAAAAXAAAAFAAAAAAAAAAAAAAA/38AAP9/AAAAAAAACQAAAAQAAAAAAAAAHgAAAGgAAAAAAAAAAAAAAAAAAAAAAAAAAAAAABAnAAAQJwAAAAAAAAAAAAAAAAAAAAAAAAAAAAAAAAAAAAAAAAAAAAAUAAAAAAAAAMDA/wAAAAAAZAAAADIAAAAAAAAAZAAAAAAAAAB/f38ACgAAACIAAAAYAAAAAAAAAAAAAAAAAAAAAAAAAAAAAAAAAAAAJAAAACQAAAAAAAAABwAAAAAAAAAAAAAAAAAAAAAAAAAAAAAAAAAAAH9/fwAlAAAAWAAAAAAAAAAAAAAAAAAAAAAAAAAAAAAAAAAAAAAAAAAAAAAAAAAAAAAAAAAAAAAAPwAAAAAAAACghgEAAAAAAAAAAAAAAAAADAAAAAEAAAAAAAAAAAAAAAAAAAAfAAAAVAAAAE+BvQX///8BAAAAAAAAAAAAAAAAAAAAAAAAAAAAAAAAAAAAAAAAAAAAAAACf39/AO7s4QPMzMwAwMD/AH9/fwAAAAAAAAAAAAAAAAD///8AAAAAACEAAAAYAAAAFAAAAPgWAACjAgAAcCEAABsNAAAQAAAAJgAAAAgAAAD//////////w=="/>
+                <pr:smNativeData xmlns:pr="smNativeData" xmlns="smNativeData" val="SMDATA_17_iunWYhMAAAAlAAAAEQAAAC0AAAAAkAAAAEgAAACQAAAASAAAAAAAAAAAAAAAAAAAAAEAAABQAAAAAAAAAAAA4D8AAAAAAADgPwAAAAAAAOA/AAAAAAAA4D8AAAAAAADgPwAAAAAAAOA/AAAAAAAA4D8AAAAAAADgPwAAAAAAAOA/AAAAAAAA4D8CAAAAjAAAAAAAAAAAAAAAT4G9DP///wgAAAAAAAAAAAAAAAAAAAAAAAAAAAAAAAAAAAAAZAAAAAEAAABAAAAAAAAAAAAAAAAAAAAAAAAAAAAAAAAAAAAAAAAAAAAAAAAAAAAAAAAAAAAAAAAAAAAAAAAAAAAAAAAAAAAAAAAAAAAAAAAAAAAAAAAAAAAAAAAAAAAAFAAAADwAAAAAAAAAAAAAAAAAAAkUAAAAAQAAABQAAAAUAAAAFAAAAAEAAAAAAAAAZAAAAGQAAAAAAAAAZAAAAGQAAAAVAAAAYAAAAAAAAAAAAAAADwAAACADAAAAAAAAAAAAAAEAAACgMgAAVgcAAKr4//8BAAAAf39/AAEAAABkAAAAAAAAABQAAABAHwAAAAAAACYAAAAAAAAAwOD//wAAAAAmAAAAZAAAABYAAABMAAAAAAAAAAAAAAAEAAAAAAAAAAEAAADu7OEKAAAAACgAAAAoAAAAZAAAAGQAAAAAAAAAzMzMAAAAAABQAAAAUAAAAGQAAABkAAAAAAAAAAcAAAA4AAAAAAAAAAAAAAAAAAAA////AAAAAAAAAAAAAAAAAAAAAAAAAAAAAAAAAAAAAABkAAAAZAAAAAAAAAAjAAAABAAAAGQAAAAXAAAAFAAAAAAAAAAAAAAA/38AAP9/AAAAAAAACQAAAAQAAAAAAAAAHgAAAGgAAAAAAAAAAAAAAAAAAAAAAAAAAAAAABAnAAAQJwAAAAAAAAAAAAAAAAAAAAAAAAAAAAAAAAAAAAAAAAAAAAAUAAAAAAAAAMDA/wAAAAAAZAAAADIAAAAAAAAAZAAAAAAAAAB/f38ACgAAACIAAAAYAAAAAAAAAAAAAAAAAAAAAAAAAAAAAAAAAAAAJAAAACQAAAAAAAAABwAAAAAAAAAAAAAAAAAAAAAAAAAAAAAAAAAAAH9/fwAlAAAAWAAAAAAAAAAAAAAAAAAAAAAAAAAAAAAAAAAAAAAAAAAAAAAAAAAAAAAAAAAAAAAAPwAAAAAAAACghgEAAAAAAAAAAAAAAAAADAAAAAEAAAAAAAAAAAAAAAAAAAAfAAAAVAAAAE+BvQX///8BAAAAAAAAAAAAAAAAAAAAAAAAAAAAAAAAAAAAAAAAAAAAAAACf39/AO7s4QPMzMwAwMD/AH9/fwAAAAAAAAAAAAAAAAD///8AAAAAACEAAAAYAAAAFAAAAPgWAACjAgAAcCEAABsNAAAQAAAAJgAAAAgAAAD//////////w=="/>
               </a:ext>
             </a:extLst>
           </p:cNvPicPr>
@@ -4362,7 +4349,7 @@
             <a:spLocks noGrp="1" noChangeArrowheads="1"/>
             <a:extLst>
               <a:ext uri="smNativeData">
-                <pr:smNativeData xmlns:pr="smNativeData" xmlns="smNativeData" val="SMDATA_15_JtjWYhMAAAAlAAAAZAAAAA0AAAAAkAAAAEgAAACQAAAASAAAAAAAAAABAAAAAAAAAAEAAABQAAAAAAAAAAAA4D8AAAAAAADgPwAAAAAAAOA/AAAAAAAA4D8AAAAAAADgPwAAAAAAAOA/AAAAAAAA4D8AAAAAAADgPwAAAAAAAOA/AAAAAAAA4D8CAAAAjAAAAAAAAAAAAAAAT4G9DP///wgAAAAAAAAAAAAAAAAAAAAAAAAAAAAAAAAAAAAAZAAAAAEAAABAAAAAAAAAAAAAAAAAAAAAAAAAAAAAAAAAAAAAAAAAAAAAAAAAAAAAAAAAAAAAAAAAAAAAAAAAAAAAAAAAAAAAAAAAAAAAAAAAAAAAAAAAAAAAAAAAAAAAFAAAADwAAAAAAAAAAAAAAAAAAAkUAAAAAQAAABQAAAAUAAAAFAAAAAEAAAAAAAAAZAAAAGQAAAAAAAAAZAAAAGQAAAAVAAAAYAAAAAAAAAAAAAAADwAAACADAAAAAAAAAAAAAAEAAACgMgAAVgcAAKr4//8BAAAAf39/AAEAAABkAAAAAAAAABQAAABAHwAAAAAAACYAAAAAAAAAwOD//wAAAAAmAAAAZAAAABYAAABMAAAAAAAAAAAAAAAEAAAAAAAAAAEAAADu7OEKAAAAACgAAAAoAAAAZAAAAGQAAAAAAAAAzMzMAAAAAABQAAAAUAAAAGQAAABkAAAAAAAAABcAAAAUAAAAAAAAAAAAAAD/fwAA/38AAAAAAAAJAAAABAAAALB1sOoeAAAAaAAAAAAAAAAAAAAAAAAAAAAAAAAAAAAAECcAABAnAAAAAAAAAAAAAAAAAAAAAAAAAAAAAAAAAAAAAAAAAAAAABQAAAAAAAAAwMD/AAAAAABkAAAAMgAAAAAAAABkAAAAAAAAAH9/fwAKAAAAIgAAABgAAAAAAAAAAAAAAAAAAAAAAAAAAAAAAAAAAAAkAAAAJAAAAAAAAAAHAAAAAAAAAAAAAAAAAAAAAAAAAAAAAAAAAAAAf39/ACUAAABYAAAAAAAAAAAAAAAAAAAAAAAAAAAAAAAAAAAAAAAAAAAAAAAAAAAAAAAAAAAAAAA/AAAAAAAAAKCGAQAAAAAAAAAAAAAAAAAMAAAAAQAAAAAAAAAAAAAAAAAAAB8AAABUAAAAT4G9Bf///wEAAAAAAAAAAAAAAAAAAAAAAAAAAAAAAAAAAAAAAAAAAAAAAAJ/f38A7uzhA8zMzADAwP8Af39/AAAAAAAAAAAAAAAAAAAAAAAAAAAAIQAAABgAAAAUAAAA0AIAALEBAABwNQAAuQgAABAAAAAmAAAACAAAAAAgAAAAAAAA"/>
+                <pr:smNativeData xmlns:pr="smNativeData" xmlns="smNativeData" val="SMDATA_15_iunWYhMAAAAlAAAAZAAAAA0AAAAAkAAAAEgAAACQAAAASAAAAAAAAAABAAAAAAAAAAEAAABQAAAAAAAAAAAA4D8AAAAAAADgPwAAAAAAAOA/AAAAAAAA4D8AAAAAAADgPwAAAAAAAOA/AAAAAAAA4D8AAAAAAADgPwAAAAAAAOA/AAAAAAAA4D8CAAAAjAAAAAAAAAAAAAAAT4G9DP///wgAAAAAAAAAAAAAAAAAAAAAAAAAAAAAAAAAAAAAZAAAAAEAAABAAAAAAAAAAAAAAAAAAAAAAAAAAAAAAAAAAAAAAAAAAAAAAAAAAAAAAAAAAAAAAAAAAAAAAAAAAAAAAAAAAAAAAAAAAAAAAAAAAAAAAAAAAAAAAAAAAAAAFAAAADwAAAAAAAAAAAAAAAAAAAkUAAAAAQAAABQAAAAUAAAAFAAAAAEAAAAAAAAAZAAAAGQAAAAAAAAAZAAAAGQAAAAVAAAAYAAAAAAAAAAAAAAADwAAACADAAAAAAAAAAAAAAEAAACgMgAAVgcAAKr4//8BAAAAf39/AAEAAABkAAAAAAAAABQAAABAHwAAAAAAACYAAAAAAAAAwOD//wAAAAAmAAAAZAAAABYAAABMAAAAAAAAAAAAAAAEAAAAAAAAAAEAAADu7OEKAAAAACgAAAAoAAAAZAAAAGQAAAAAAAAAzMzMAAAAAABQAAAAUAAAAGQAAABkAAAAAAAAABcAAAAUAAAAAAAAAAAAAAD/fwAA/38AAAAAAAAJAAAABAAAALB1sOoeAAAAaAAAAAAAAAAAAAAAAAAAAAAAAAAAAAAAECcAABAnAAAAAAAAAAAAAAAAAAAAAAAAAAAAAAAAAAAAAAAAAAAAABQAAAAAAAAAwMD/AAAAAABkAAAAMgAAAAAAAABkAAAAAAAAAH9/fwAKAAAAIgAAABgAAAAAAAAAAAAAAAAAAAAAAAAAAAAAAAAAAAAkAAAAJAAAAAAAAAAHAAAAAAAAAAAAAAAAAAAAAAAAAAAAAAAAAAAAf39/ACUAAABYAAAAAAAAAAAAAAAAAAAAAAAAAAAAAAAAAAAAAAAAAAAAAAAAAAAAAAAAAAAAAAA/AAAAAAAAAKCGAQAAAAAAAAAAAAAAAAAMAAAAAQAAAAAAAAAAAAAAAAAAAB8AAABUAAAAT4G9Bf///wEAAAAAAAAAAAAAAAAAAAAAAAAAAAAAAAAAAAAAAAAAAAAAAAJ/f38A7uzhA8zMzADAwP8Af39/AAAAAAAAAAAAAAAAAAAAAAAAAAAAIQAAABgAAAAUAAAA0AIAALEBAABwNQAAuQgAABAAAAAmAAAACAAAAAAgAAAAAAAA"/>
               </a:ext>
             </a:extLst>
           </p:cNvSpPr>
@@ -4402,7 +4389,7 @@
             <a:picLocks noChangeAspect="1"/>
             <a:extLst>
               <a:ext uri="smNativeData">
-                <pr:smNativeData xmlns:pr="smNativeData" xmlns="smNativeData" val="SMDATA_17_JtjWYhMAAAAlAAAAEQAAAC0AAAAAkAAAAEgAAACQAAAASAAAAAAAAAAAAAAAAAAAAAEAAABQAAAAAAAAAAAA4D8AAAAAAADgPwAAAAAAAOA/AAAAAAAA4D8AAAAAAADgPwAAAAAAAOA/AAAAAAAA4D8AAAAAAADgPwAAAAAAAOA/AAAAAAAA4D8CAAAAjAAAAAAAAAAAAAAAT4G9DP///wgAAAAAAAAAAAAAAAAAAAAAAAAAAAAAAAAAAAAAZAAAAAEAAABAAAAAAAAAAAAAAAAAAAAAAAAAAAAAAAAAAAAAAAAAAAAAAAAAAAAAAAAAAAAAAAAAAAAAAAAAAAAAAAAAAAAAAAAAAAAAAAAAAAAAAAAAAAAAAAAAAAAAFAAAADwAAAAAAAAAAAAAAAAAAAkUAAAAAQAAABQAAAAUAAAAFAAAAAEAAAAAAAAAZAAAAGQAAAAAAAAAZAAAAGQAAAAVAAAAYAAAAAAAAAAAAAAADwAAACADAAAAAAAAAAAAAAEAAACgMgAAVgcAAKr4//8BAAAAf39/AAEAAABkAAAAAAAAABQAAABAHwAAAAAAACYAAAAAAAAAwOD//wAAAAAmAAAAZAAAABYAAABMAAAAAAAAAAAAAAAEAAAAAAAAAAEAAADu7OEKAAAAACgAAAAoAAAAZAAAAGQAAAAAAAAAzMzMAAAAAABQAAAAUAAAAGQAAABkAAAAAAAAAAcAAAA4AAAAAAAAAAAAAAAAAAAA////AAAAAAAAAAAAAAAAAAAAAAAAAAAAAAAAAAAAAABkAAAAZAAAAAAAAAAjAAAABAAAAGQAAAAXAAAAFAAAAAAAAAAAAAAA/38AAP9/AAAAAAAACQAAAAQAAAAAAAAAHgAAAGgAAAAAAAAAAAAAAAAAAAAAAAAAAAAAABAnAAAQJwAAAAAAAAAAAAAAAAAAAAAAAAAAAAAAAAAAAAAAAAAAAAAUAAAAAAAAAMDA/wAAAAAAZAAAADIAAAAAAAAAZAAAAAAAAAB/f38ACgAAACIAAAAYAAAAAAAAAAAAAAAAAAAAAAAAAAAAAAAAAAAAJAAAACQAAAAAAAAABwAAAAAAAAAAAAAAAAAAAAAAAAAAAAAAAAAAAH9/fwAlAAAAWAAAAAAAAAAAAAAAAAAAAAAAAAAAAAAAAAAAAAAAAAAAAAAAAAAAAAAAAAAAAAAAPwAAAAAAAACghgEAAAAAAAAAAAAAAAAADAAAAAEAAAAAAAAAAAAAAAAAAAAfAAAAVAAAAE+BvQX///8BAAAAAAAAAAAAAAAAAAAAAAAAAAAAAAAAAAAAAAAAAAAAAAACf39/AO7s4QPMzMwAwMD/AH9/fwAAAAAAAAAAAAAAAAD///8AAAAAACEAAAAYAAAAFAAAAMf////ICgAAQDgAADAqAAAQAAAAJgAAAAgAAAD//////////w=="/>
+                <pr:smNativeData xmlns:pr="smNativeData" xmlns="smNativeData" val="SMDATA_17_iunWYhMAAAAlAAAAEQAAAC0AAAAAkAAAAEgAAACQAAAASAAAAAAAAAAAAAAAAAAAAAEAAABQAAAAAAAAAAAA4D8AAAAAAADgPwAAAAAAAOA/AAAAAAAA4D8AAAAAAADgPwAAAAAAAOA/AAAAAAAA4D8AAAAAAADgPwAAAAAAAOA/AAAAAAAA4D8CAAAAjAAAAAAAAAAAAAAAT4G9DP///wgAAAAAAAAAAAAAAAAAAAAAAAAAAAAAAAAAAAAAZAAAAAEAAABAAAAAAAAAAAAAAAAAAAAAAAAAAAAAAAAAAAAAAAAAAAAAAAAAAAAAAAAAAAAAAAAAAAAAAAAAAAAAAAAAAAAAAAAAAAAAAAAAAAAAAAAAAAAAAAAAAAAAFAAAADwAAAAAAAAAAAAAAAAAAAkUAAAAAQAAABQAAAAUAAAAFAAAAAEAAAAAAAAAZAAAAGQAAAAAAAAAZAAAAGQAAAAVAAAAYAAAAAAAAAAAAAAADwAAACADAAAAAAAAAAAAAAEAAACgMgAAVgcAAKr4//8BAAAAf39/AAEAAABkAAAAAAAAABQAAABAHwAAAAAAACYAAAAAAAAAwOD//wAAAAAmAAAAZAAAABYAAABMAAAAAAAAAAAAAAAEAAAAAAAAAAEAAADu7OEKAAAAACgAAAAoAAAAZAAAAGQAAAAAAAAAzMzMAAAAAABQAAAAUAAAAGQAAABkAAAAAAAAAAcAAAA4AAAAAAAAAAAAAAAAAAAA////AAAAAAAAAAAAAAAAAAAAAAAAAAAAAAAAAAAAAABkAAAAZAAAAAAAAAAjAAAABAAAAGQAAAAXAAAAFAAAAAAAAAAAAAAA/38AAP9/AAAAAAAACQAAAAQAAAAAAAAAHgAAAGgAAAAAAAAAAAAAAAAAAAAAAAAAAAAAABAnAAAQJwAAAAAAAAAAAAAAAAAAAAAAAAAAAAAAAAAAAAAAAAAAAAAUAAAAAAAAAMDA/wAAAAAAZAAAADIAAAAAAAAAZAAAAAAAAAB/f38ACgAAACIAAAAYAAAAAAAAAAAAAAAAAAAAAAAAAAAAAAAAAAAAJAAAACQAAAAAAAAABwAAAAAAAAAAAAAAAAAAAAAAAAAAAAAAAAAAAH9/fwAlAAAAWAAAAAAAAAAAAAAAAAAAAAAAAAAAAAAAAAAAAAAAAAAAAAAAAAAAAAAAAAAAAAAAPwAAAAAAAACghgEAAAAAAAAAAAAAAAAADAAAAAEAAAAAAAAAAAAAAAAAAAAfAAAAVAAAAE+BvQX///8BAAAAAAAAAAAAAAAAAAAAAAAAAAAAAAAAAAAAAAAAAAAAAAACf39/AO7s4QPMzMwAwMD/AH9/fwAAAAAAAAAAAAAAAAD///8AAAAAACEAAAAYAAAAFAAAAMf////ICgAAQDgAADAqAAAQAAAAJgAAAAgAAAD//////////w=="/>
               </a:ext>
             </a:extLst>
           </p:cNvPicPr>
@@ -4468,7 +4455,7 @@
             <a:spLocks noGrp="1" noChangeArrowheads="1"/>
             <a:extLst>
               <a:ext uri="smNativeData">
-                <pr:smNativeData xmlns:pr="smNativeData" xmlns="smNativeData" val="SMDATA_15_JtjWYhMAAAAlAAAAZAAAAA0AAAAAkAAAAEgAAACQAAAASAAAAAAAAAABAAAAAAAAAAEAAABQAAAAAAAAAAAA4D8AAAAAAADgPwAAAAAAAOA/AAAAAAAA4D8AAAAAAADgPwAAAAAAAOA/AAAAAAAA4D8AAAAAAADgPwAAAAAAAOA/AAAAAAAA4D8CAAAAjAAAAAAAAAAAAAAAT4G9DP///wgAAAAAAAAAAAAAAAAAAAAAAAAAAAAAAAAAAAAAZAAAAAEAAABAAAAAAAAAAAAAAAAAAAAAAAAAAAAAAAAAAAAAAAAAAAAAAAAAAAAAAAAAAAAAAAAAAAAAAAAAAAAAAAAAAAAAAAAAAAAAAAAAAAAAAAAAAAAAAAAAAAAAFAAAADwAAAAAAAAAAAAAAAAAAAkUAAAAAQAAABQAAAAUAAAAFAAAAAEAAAAAAAAAZAAAAGQAAAAAAAAAZAAAAGQAAAAVAAAAYAAAAAAAAAAAAAAADwAAACADAAAAAAAAAAAAAAEAAACgMgAAVgcAAKr4//8BAAAAf39/AAEAAABkAAAAAAAAABQAAABAHwAAAAAAACYAAAAAAAAAwOD//wAAAAAmAAAAZAAAABYAAABMAAAAAAAAAAAAAAAEAAAAAAAAAAEAAADu7OEKAAAAACgAAAAoAAAAZAAAAGQAAAAAAAAAzMzMAAAAAABQAAAAUAAAAGQAAABkAAAAAAAAABcAAAAUAAAAAAAAAAAAAAD/fwAA/38AAAAAAAAJAAAABAAAAAAAAAEeAAAAaAAAAAAAAAAAAAAAAAAAAAAAAAAAAAAAECcAABAnAAAAAAAAAAAAAAAAAAAAAAAAAAAAAAAAAAAAAAAAAAAAABQAAAAAAAAAwMD/AAAAAABkAAAAMgAAAAAAAABkAAAAAAAAAH9/fwAKAAAAIgAAABgAAAAAAAAAAAAAAAAAAAAAAAAAAAAAAAAAAAAkAAAAJAAAAAAAAAAHAAAAAAAAAAAAAAAAAAAAAAAAAAAAAAAAAAAAf39/ACUAAABYAAAAAAAAAAAAAAAAAAAAAAAAAAAAAAAAAAAAAAAAAAAAAAAAAAAAAAAAAAAAAAA/AAAAAAAAAKCGAQAAAAAAAAAAAAAAAAAMAAAAAQAAAAAAAAAAAAAAAAAAAB8AAABUAAAAT4G9Bf///wEAAAAAAAAAAAAAAAAAAAAAAAAAAAAAAAAAAAAAAAAAAAAAAAJ/f38A7uzhA8zMzADAwP8Af39/AAAAAAAAAAAAAAAAAAAAAAAAAAAAIQAAABgAAAAUAAAA0AIAALEBAABwNQAAuQgAABAAAAAmAAAACAAAAAAgAAAAAAAA"/>
+                <pr:smNativeData xmlns:pr="smNativeData" xmlns="smNativeData" val="SMDATA_15_iunWYhMAAAAlAAAAZAAAAA0AAAAAkAAAAEgAAACQAAAASAAAAAAAAAABAAAAAAAAAAEAAABQAAAAAAAAAAAA4D8AAAAAAADgPwAAAAAAAOA/AAAAAAAA4D8AAAAAAADgPwAAAAAAAOA/AAAAAAAA4D8AAAAAAADgPwAAAAAAAOA/AAAAAAAA4D8CAAAAjAAAAAAAAAAAAAAAT4G9DP///wgAAAAAAAAAAAAAAAAAAAAAAAAAAAAAAAAAAAAAZAAAAAEAAABAAAAAAAAAAAAAAAAAAAAAAAAAAAAAAAAAAAAAAAAAAAAAAAAAAAAAAAAAAAAAAAAAAAAAAAAAAAAAAAAAAAAAAAAAAAAAAAAAAAAAAAAAAAAAAAAAAAAAFAAAADwAAAAAAAAAAAAAAAAAAAkUAAAAAQAAABQAAAAUAAAAFAAAAAEAAAAAAAAAZAAAAGQAAAAAAAAAZAAAAGQAAAAVAAAAYAAAAAAAAAAAAAAADwAAACADAAAAAAAAAAAAAAEAAACgMgAAVgcAAKr4//8BAAAAf39/AAEAAABkAAAAAAAAABQAAABAHwAAAAAAACYAAAAAAAAAwOD//wAAAAAmAAAAZAAAABYAAABMAAAAAAAAAAAAAAAEAAAAAAAAAAEAAADu7OEKAAAAACgAAAAoAAAAZAAAAGQAAAAAAAAAzMzMAAAAAABQAAAAUAAAAGQAAABkAAAAAAAAABcAAAAUAAAAAAAAAAAAAAD/fwAA/38AAAAAAAAJAAAABAAAAAAAAAEeAAAAaAAAAAAAAAAAAAAAAAAAAAAAAAAAAAAAECcAABAnAAAAAAAAAAAAAAAAAAAAAAAAAAAAAAAAAAAAAAAAAAAAABQAAAAAAAAAwMD/AAAAAABkAAAAMgAAAAAAAABkAAAAAAAAAH9/fwAKAAAAIgAAABgAAAAAAAAAAAAAAAAAAAAAAAAAAAAAAAAAAAAkAAAAJAAAAAAAAAAHAAAAAAAAAAAAAAAAAAAAAAAAAAAAAAAAAAAAf39/ACUAAABYAAAAAAAAAAAAAAAAAAAAAAAAAAAAAAAAAAAAAAAAAAAAAAAAAAAAAAAAAAAAAAA/AAAAAAAAAKCGAQAAAAAAAAAAAAAAAAAMAAAAAQAAAAAAAAAAAAAAAAAAAB8AAABUAAAAT4G9Bf///wEAAAAAAAAAAAAAAAAAAAAAAAAAAAAAAAAAAAAAAAAAAAAAAAJ/f38A7uzhA8zMzADAwP8Af39/AAAAAAAAAAAAAAAAAAAAAAAAAAAAIQAAABgAAAAUAAAA0AIAALEBAABwNQAAuQgAABAAAAAmAAAACAAAAAAgAAAAAAAA"/>
               </a:ext>
             </a:extLst>
           </p:cNvSpPr>
@@ -4508,7 +4495,7 @@
             <a:picLocks noChangeAspect="1"/>
             <a:extLst>
               <a:ext uri="smNativeData">
-                <pr:smNativeData xmlns:pr="smNativeData" xmlns="smNativeData" val="SMDATA_17_JtjWYhMAAAAlAAAAEQAAAC0AAAAAkAAAAEgAAACQAAAASAAAAAAAAAAAAAAAAAAAAAEAAABQAAAAAAAAAAAA4D8AAAAAAADgPwAAAAAAAOA/AAAAAAAA4D8AAAAAAADgPwAAAAAAAOA/AAAAAAAA4D8AAAAAAADgPwAAAAAAAOA/AAAAAAAA4D8CAAAAjAAAAAAAAAAAAAAAT4G9DP///wgAAAAAAAAAAAAAAAAAAAAAAAAAAAAAAAAAAAAAZAAAAAEAAABAAAAAAAAAAAAAAAAAAAAAAAAAAAAAAAAAAAAAAAAAAAAAAAAAAAAAAAAAAAAAAAAAAAAAAAAAAAAAAAAAAAAAAAAAAAAAAAAAAAAAAAAAAAAAAAAAAAAAFAAAADwAAAAAAAAAAAAAAAAAAAkUAAAAAQAAABQAAAAUAAAAFAAAAAEAAAAAAAAAZAAAAGQAAAAAAAAAZAAAAGQAAAAVAAAAYAAAAAAAAAAAAAAADwAAACADAAAAAAAAAAAAAAEAAACgMgAAVgcAAKr4//8BAAAAf39/AAEAAABkAAAAAAAAABQAAABAHwAAAAAAACYAAAAAAAAAwOD//wAAAAAmAAAAZAAAABYAAABMAAAAAAAAAAAAAAAEAAAAAAAAAAEAAADu7OEKAAAAACgAAAAoAAAAZAAAAGQAAAAAAAAAzMzMAAAAAABQAAAAUAAAAGQAAABkAAAAAAAAAAcAAAA4AAAAAAAAAAAAAAAAAAAA////AAAAAAAAAAAAAAAAAAAAAAAAAAAAAAAAAAAAAABkAAAAZAAAAAAAAAAjAAAABAAAAGQAAAAXAAAAFAAAAAAAAAAAAAAA/38AAP9/AAAAAAAACQAAAAQAAAAAAAAAHgAAAGgAAAAAAAAAAAAAAAAAAAAAAAAAAAAAABAnAAAQJwAAAAAAAAAAAAAAAAAAAAAAAAAAAAAAAAAAAAAAAAAAAAAUAAAAAAAAAMDA/wAAAAAAZAAAADIAAAAAAAAAZAAAAAAAAAB/f38ACgAAACIAAAAYAAAAAAAAAAAAAAAAAAAAAAAAAAAAAAAAAAAAJAAAACQAAAAAAAAABwAAAAAAAAAAAAAAAAAAAAAAAAAAAAAAAAAAAH9/fwAlAAAAWAAAAAAAAAAAAAAAAAAAAAAAAAAAAAAAAAAAAAAAAAAAAAAAAAAAAAAAAAAAAAAAPwAAAAAAAACghgEAAAAAAAAAAAAAAAAADAAAAAEAAAAAAAAAAAAAAAAAAAAfAAAAVAAAAE+BvQX///8BAAAAAAAAAAAAAAAAAAAAAAAAAAAAAAAAAAAAAAAAAAAAAAACf39/AO7s4QPMzMwAwMD/AH9/fwAAAAAAAAAAAAAAAAD///8AAAAAACEAAAAYAAAAFAAAAO3///9ACwAAQDgAAGQqAAAQAAAAJgAAAAgAAAD//////////w=="/>
+                <pr:smNativeData xmlns:pr="smNativeData" xmlns="smNativeData" val="SMDATA_17_iunWYhMAAAAlAAAAEQAAAC0AAAAAkAAAAEgAAACQAAAASAAAAAAAAAAAAAAAAAAAAAEAAABQAAAAAAAAAAAA4D8AAAAAAADgPwAAAAAAAOA/AAAAAAAA4D8AAAAAAADgPwAAAAAAAOA/AAAAAAAA4D8AAAAAAADgPwAAAAAAAOA/AAAAAAAA4D8CAAAAjAAAAAAAAAAAAAAAT4G9DP///wgAAAAAAAAAAAAAAAAAAAAAAAAAAAAAAAAAAAAAZAAAAAEAAABAAAAAAAAAAAAAAAAAAAAAAAAAAAAAAAAAAAAAAAAAAAAAAAAAAAAAAAAAAAAAAAAAAAAAAAAAAAAAAAAAAAAAAAAAAAAAAAAAAAAAAAAAAAAAAAAAAAAAFAAAADwAAAAAAAAAAAAAAAAAAAkUAAAAAQAAABQAAAAUAAAAFAAAAAEAAAAAAAAAZAAAAGQAAAAAAAAAZAAAAGQAAAAVAAAAYAAAAAAAAAAAAAAADwAAACADAAAAAAAAAAAAAAEAAACgMgAAVgcAAKr4//8BAAAAf39/AAEAAABkAAAAAAAAABQAAABAHwAAAAAAACYAAAAAAAAAwOD//wAAAAAmAAAAZAAAABYAAABMAAAAAAAAAAAAAAAEAAAAAAAAAAEAAADu7OEKAAAAACgAAAAoAAAAZAAAAGQAAAAAAAAAzMzMAAAAAABQAAAAUAAAAGQAAABkAAAAAAAAAAcAAAA4AAAAAAAAAAAAAAAAAAAA////AAAAAAAAAAAAAAAAAAAAAAAAAAAAAAAAAAAAAABkAAAAZAAAAAAAAAAjAAAABAAAAGQAAAAXAAAAFAAAAAAAAAAAAAAA/38AAP9/AAAAAAAACQAAAAQAAAAAAAAAHgAAAGgAAAAAAAAAAAAAAAAAAAAAAAAAAAAAABAnAAAQJwAAAAAAAAAAAAAAAAAAAAAAAAAAAAAAAAAAAAAAAAAAAAAUAAAAAAAAAMDA/wAAAAAAZAAAADIAAAAAAAAAZAAAAAAAAAB/f38ACgAAACIAAAAYAAAAAAAAAAAAAAAAAAAAAAAAAAAAAAAAAAAAJAAAACQAAAAAAAAABwAAAAAAAAAAAAAAAAAAAAAAAAAAAAAAAAAAAH9/fwAlAAAAWAAAAAAAAAAAAAAAAAAAAAAAAAAAAAAAAAAAAAAAAAAAAAAAAAAAAAAAAAAAAAAAPwAAAAAAAACghgEAAAAAAAAAAAAAAAAADAAAAAEAAAAAAAAAAAAAAAAAAAAfAAAAVAAAAE+BvQX///8BAAAAAAAAAAAAAAAAAAAAAAAAAAAAAAAAAAAAAAAAAAAAAAACf39/AO7s4QPMzMwAwMD/AH9/fwAAAAAAAAAAAAAAAAD///8AAAAAACEAAAAYAAAAFAAAAO3///9ACwAAQDgAAGQqAAAQAAAAJgAAAAgAAAD//////////w=="/>
               </a:ext>
             </a:extLst>
           </p:cNvPicPr>
@@ -4574,7 +4561,7 @@
             <a:spLocks noGrp="1" noChangeArrowheads="1"/>
             <a:extLst>
               <a:ext uri="smNativeData">
-                <pr:smNativeData xmlns:pr="smNativeData" xmlns="smNativeData" val="SMDATA_15_JtjWYhMAAAAlAAAAZAAAAA0AAAAAkAAAAEgAAACQAAAASAAAAAAAAAABAAAAAAAAAAEAAABQAAAAAAAAAAAA4D8AAAAAAADgPwAAAAAAAOA/AAAAAAAA4D8AAAAAAADgPwAAAAAAAOA/AAAAAAAA4D8AAAAAAADgPwAAAAAAAOA/AAAAAAAA4D8CAAAAjAAAAAAAAAAAAAAAT4G9DP///wgAAAAAAAAAAAAAAAAAAAAAAAAAAAAAAAAAAAAAZAAAAAEAAABAAAAAAAAAAAAAAAAAAAAAAAAAAAAAAAAAAAAAAAAAAAAAAAAAAAAAAAAAAAAAAAAAAAAAAAAAAAAAAAAAAAAAAAAAAAAAAAAAAAAAAAAAAAAAAAAAAAAAFAAAADwAAAAAAAAAAAAAAAAAAAkUAAAAAQAAABQAAAAUAAAAFAAAAAEAAAAAAAAAZAAAAGQAAAAAAAAAZAAAAGQAAAAVAAAAYAAAAAAAAAAAAAAADwAAACADAAAAAAAAAAAAAAEAAACgMgAAVgcAAKr4//8BAAAAf39/AAEAAABkAAAAAAAAABQAAABAHwAAAAAAACYAAAAAAAAAwOD//wAAAAAmAAAAZAAAABYAAABMAAAAAAAAAAAAAAAEAAAAAAAAAAEAAADu7OEKAAAAACgAAAAoAAAAZAAAAGQAAAAAAAAAzMzMAAAAAABQAAAAUAAAAGQAAABkAAAAAAAAABcAAAAUAAAAAAAAAAAAAAD/fwAA/38AAAAAAAAJAAAABAAAAAAAAAAeAAAAaAAAAAAAAAAAAAAAAAAAAAAAAAAAAAAAECcAABAnAAAAAAAAAAAAAAAAAAAAAAAAAAAAAAAAAAAAAAAAAAAAABQAAAAAAAAAwMD/AAAAAABkAAAAMgAAAAAAAABkAAAAAAAAAH9/fwAKAAAAIgAAABgAAAAAAAAAAAAAAAAAAAAAAAAAAAAAAAAAAAAkAAAAJAAAAAAAAAAHAAAAAAAAAAAAAAAAAAAAAAAAAAAAAAAAAAAAf39/ACUAAABYAAAAAAAAAAAAAAAAAAAAAAAAAAAAAAAAAAAAAAAAAAAAAAAAAAAAAAAAAAAAAAA/AAAAAAAAAKCGAQAAAAAAAAAAAAAAAAAMAAAAAQAAAAAAAAAAAAAAAAAAAB8AAABUAAAAT4G9Bf///wEAAAAAAAAAAAAAAAAAAAAAAAAAAAAAAAAAAAAAAAAAAAAAAAJ/f38A7uzhA8zMzADAwP8Af39/AAAAAAAAAAAAAAAAAAAAAAAAAAAAIQAAABgAAAAUAAAA0AIAALEBAABwNQAAuQgAABAAAAAmAAAACAAAAAAgAAAAAAAA"/>
+                <pr:smNativeData xmlns:pr="smNativeData" xmlns="smNativeData" val="SMDATA_15_iunWYhMAAAAlAAAAZAAAAA0AAAAAkAAAAEgAAACQAAAASAAAAAAAAAABAAAAAAAAAAEAAABQAAAAAAAAAAAA4D8AAAAAAADgPwAAAAAAAOA/AAAAAAAA4D8AAAAAAADgPwAAAAAAAOA/AAAAAAAA4D8AAAAAAADgPwAAAAAAAOA/AAAAAAAA4D8CAAAAjAAAAAAAAAAAAAAAT4G9DP///wgAAAAAAAAAAAAAAAAAAAAAAAAAAAAAAAAAAAAAZAAAAAEAAABAAAAAAAAAAAAAAAAAAAAAAAAAAAAAAAAAAAAAAAAAAAAAAAAAAAAAAAAAAAAAAAAAAAAAAAAAAAAAAAAAAAAAAAAAAAAAAAAAAAAAAAAAAAAAAAAAAAAAFAAAADwAAAAAAAAAAAAAAAAAAAkUAAAAAQAAABQAAAAUAAAAFAAAAAEAAAAAAAAAZAAAAGQAAAAAAAAAZAAAAGQAAAAVAAAAYAAAAAAAAAAAAAAADwAAACADAAAAAAAAAAAAAAEAAACgMgAAVgcAAKr4//8BAAAAf39/AAEAAABkAAAAAAAAABQAAABAHwAAAAAAACYAAAAAAAAAwOD//wAAAAAmAAAAZAAAABYAAABMAAAAAAAAAAAAAAAEAAAAAAAAAAEAAADu7OEKAAAAACgAAAAoAAAAZAAAAGQAAAAAAAAAzMzMAAAAAABQAAAAUAAAAGQAAABkAAAAAAAAABcAAAAUAAAAAAAAAAAAAAD/fwAA/38AAAAAAAAJAAAABAAAAAAAAAAeAAAAaAAAAAAAAAAAAAAAAAAAAAAAAAAAAAAAECcAABAnAAAAAAAAAAAAAAAAAAAAAAAAAAAAAAAAAAAAAAAAAAAAABQAAAAAAAAAwMD/AAAAAABkAAAAMgAAAAAAAABkAAAAAAAAAH9/fwAKAAAAIgAAABgAAAAAAAAAAAAAAAAAAAAAAAAAAAAAAAAAAAAkAAAAJAAAAAAAAAAHAAAAAAAAAAAAAAAAAAAAAAAAAAAAAAAAAAAAf39/ACUAAABYAAAAAAAAAAAAAAAAAAAAAAAAAAAAAAAAAAAAAAAAAAAAAAAAAAAAAAAAAAAAAAA/AAAAAAAAAKCGAQAAAAAAAAAAAAAAAAAMAAAAAQAAAAAAAAAAAAAAAAAAAB8AAABUAAAAT4G9Bf///wEAAAAAAAAAAAAAAAAAAAAAAAAAAAAAAAAAAAAAAAAAAAAAAAJ/f38A7uzhA8zMzADAwP8Af39/AAAAAAAAAAAAAAAAAAAAAAAAAAAAIQAAABgAAAAUAAAA0AIAALEBAABwNQAAuQgAABAAAAAmAAAACAAAAAAgAAAAAAAA"/>
               </a:ext>
             </a:extLst>
           </p:cNvSpPr>
@@ -4614,7 +4601,7 @@
             <a:picLocks noChangeAspect="1"/>
             <a:extLst>
               <a:ext uri="smNativeData">
-                <pr:smNativeData xmlns:pr="smNativeData" xmlns="smNativeData" val="SMDATA_17_JtjWYhMAAAAlAAAAEQAAAC0AAAAAkAAAAEgAAACQAAAASAAAAAAAAAAAAAAAAAAAAAEAAABQAAAAAAAAAAAA4D8AAAAAAADgPwAAAAAAAOA/AAAAAAAA4D8AAAAAAADgPwAAAAAAAOA/AAAAAAAA4D8AAAAAAADgPwAAAAAAAOA/AAAAAAAA4D8CAAAAjAAAAAAAAAAAAAAAT4G9DP///wgAAAAAAAAAAAAAAAAAAAAAAAAAAAAAAAAAAAAAZAAAAAEAAABAAAAAAAAAAAAAAAAAAAAAAAAAAAAAAAAAAAAAAAAAAAAAAAAAAAAAAAAAAAAAAAAAAAAAAAAAAAAAAAAAAAAAAAAAAAAAAAAAAAAAAAAAAAAAAAAAAAAAFAAAADwAAAAAAAAAAAAAAAAAAAkUAAAAAQAAABQAAAAUAAAAFAAAAAEAAAAAAAAAZAAAAGQAAAAAAAAAZAAAAGQAAAAVAAAAYAAAAAAAAAAAAAAADwAAACADAAAAAAAAAAAAAAEAAACgMgAAVgcAAKr4//8BAAAAf39/AAEAAABkAAAAAAAAABQAAABAHwAAAAAAACYAAAAAAAAAwOD//wAAAAAmAAAAZAAAABYAAABMAAAAAAAAAAAAAAAEAAAAAAAAAAEAAADu7OEKAAAAACgAAAAoAAAAZAAAAGQAAAAAAAAAzMzMAAAAAABQAAAAUAAAAGQAAABkAAAAAAAAAAcAAAA4AAAAAAAAAAAAAAAAAAAA////AAAAAAAAAAAAAAAAAAAAAAAAAAAAAAAAAAAAAABkAAAAZAAAAAAAAAAjAAAABAAAAGQAAAAXAAAAFAAAAAAAAAAAAAAA/38AAP9/AAAAAAAACQAAAAQAAAAAAAAAHgAAAGgAAAAAAAAAAAAAAAAAAAAAAAAAAAAAABAnAAAQJwAAAAAAAAAAAAAAAAAAAAAAAAAAAAAAAAAAAAAAAAAAAAAUAAAAAAAAAMDA/wAAAAAAZAAAADIAAAAAAAAAZAAAAAAAAAB/f38ACgAAACIAAAAYAAAAAAAAAAAAAAAAAAAAAAAAAAAAAAAAAAAAJAAAACQAAAAAAAAABwAAAAAAAAAAAAAAAAAAAAAAAAAAAAAAAAAAAH9/fwAlAAAAWAAAAAAAAAAAAAAAAAAAAAAAAAAAAAAAAAAAAAAAAAAAAAAAAAAAAAAAAAAAAAAAPwAAAAAAAACghgEAAAAAAAAAAAAAAAAADAAAAAEAAAAAAAAAAAAAAAAAAAAfAAAAVAAAAE+BvQX///8BAAAAAAAAAAAAAAAAAAAAAAAAAAAAAAAAAAAAAAAAAAAAAAACf39/AO7s4QPMzMwAwMD/AH9/fwAAAAAAAAAAAAAAAAD///8AAAAAACEAAAAYAAAAFAAAAI7///+0CgAAQDgAADAqAAAQAAAAJgAAAAgAAAD//////////w=="/>
+                <pr:smNativeData xmlns:pr="smNativeData" xmlns="smNativeData" val="SMDATA_17_iunWYhMAAAAlAAAAEQAAAC0AAAAAkAAAAEgAAACQAAAASAAAAAAAAAAAAAAAAAAAAAEAAABQAAAAAAAAAAAA4D8AAAAAAADgPwAAAAAAAOA/AAAAAAAA4D8AAAAAAADgPwAAAAAAAOA/AAAAAAAA4D8AAAAAAADgPwAAAAAAAOA/AAAAAAAA4D8CAAAAjAAAAAAAAAAAAAAAT4G9DP///wgAAAAAAAAAAAAAAAAAAAAAAAAAAAAAAAAAAAAAZAAAAAEAAABAAAAAAAAAAAAAAAAAAAAAAAAAAAAAAAAAAAAAAAAAAAAAAAAAAAAAAAAAAAAAAAAAAAAAAAAAAAAAAAAAAAAAAAAAAAAAAAAAAAAAAAAAAAAAAAAAAAAAFAAAADwAAAAAAAAAAAAAAAAAAAkUAAAAAQAAABQAAAAUAAAAFAAAAAEAAAAAAAAAZAAAAGQAAAAAAAAAZAAAAGQAAAAVAAAAYAAAAAAAAAAAAAAADwAAACADAAAAAAAAAAAAAAEAAACgMgAAVgcAAKr4//8BAAAAf39/AAEAAABkAAAAAAAAABQAAABAHwAAAAAAACYAAAAAAAAAwOD//wAAAAAmAAAAZAAAABYAAABMAAAAAAAAAAAAAAAEAAAAAAAAAAEAAADu7OEKAAAAACgAAAAoAAAAZAAAAGQAAAAAAAAAzMzMAAAAAABQAAAAUAAAAGQAAABkAAAAAAAAAAcAAAA4AAAAAAAAAAAAAAAAAAAA////AAAAAAAAAAAAAAAAAAAAAAAAAAAAAAAAAAAAAABkAAAAZAAAAAAAAAAjAAAABAAAAGQAAAAXAAAAFAAAAAAAAAAAAAAA/38AAP9/AAAAAAAACQAAAAQAAAAAAAAAHgAAAGgAAAAAAAAAAAAAAAAAAAAAAAAAAAAAABAnAAAQJwAAAAAAAAAAAAAAAAAAAAAAAAAAAAAAAAAAAAAAAAAAAAAUAAAAAAAAAMDA/wAAAAAAZAAAADIAAAAAAAAAZAAAAAAAAAB/f38ACgAAACIAAAAYAAAAAAAAAAAAAAAAAAAAAAAAAAAAAAAAAAAAJAAAACQAAAAAAAAABwAAAAAAAAAAAAAAAAAAAAAAAAAAAAAAAAAAAH9/fwAlAAAAWAAAAAAAAAAAAAAAAAAAAAAAAAAAAAAAAAAAAAAAAAAAAAAAAAAAAAAAAAAAAAAAPwAAAAAAAACghgEAAAAAAAAAAAAAAAAADAAAAAEAAAAAAAAAAAAAAAAAAAAfAAAAVAAAAE+BvQX///8BAAAAAAAAAAAAAAAAAAAAAAAAAAAAAAAAAAAAAAAAAAAAAAACf39/AO7s4QPMzMwAwMD/AH9/fwAAAAAAAAAAAAAAAAD///8AAAAAACEAAAAYAAAAFAAAAI7///+0CgAAQDgAADAqAAAQAAAAJgAAAAgAAAD//////////w=="/>
               </a:ext>
             </a:extLst>
           </p:cNvPicPr>
@@ -4680,7 +4667,7 @@
             <a:spLocks noGrp="1" noChangeArrowheads="1"/>
             <a:extLst>
               <a:ext uri="smNativeData">
-                <pr:smNativeData xmlns:pr="smNativeData" xmlns="smNativeData" val="SMDATA_15_JtjWYhMAAAAlAAAAZAAAAA0AAAAAkAAAAEgAAACQAAAASAAAAAAAAAABAAAAAAAAAAEAAABQAAAAAAAAAAAA4D8AAAAAAADgPwAAAAAAAOA/AAAAAAAA4D8AAAAAAADgPwAAAAAAAOA/AAAAAAAA4D8AAAAAAADgPwAAAAAAAOA/AAAAAAAA4D8CAAAAjAAAAAAAAAAAAAAAT4G9DP///wgAAAAAAAAAAAAAAAAAAAAAAAAAAAAAAAAAAAAAZAAAAAEAAABAAAAAAAAAAAAAAAAAAAAAAAAAAAAAAAAAAAAAAAAAAAAAAAAAAAAAAAAAAAAAAAAAAAAAAAAAAAAAAAAAAAAAAAAAAAAAAAAAAAAAAAAAAAAAAAAAAAAAFAAAADwAAAAAAAAAAAAAAAAAAAkUAAAAAQAAABQAAAAUAAAAFAAAAAEAAAAAAAAAZAAAAGQAAAAAAAAAZAAAAGQAAAAVAAAAYAAAAAAAAAAAAAAADwAAACADAAAAAAAAAAAAAAEAAACgMgAAVgcAAKr4//8BAAAAf39/AAEAAABkAAAAAAAAABQAAABAHwAAAAAAACYAAAAAAAAAwOD//wAAAAAmAAAAZAAAABYAAABMAAAAAAAAAAAAAAAEAAAAAAAAAAEAAADu7OEKAAAAACgAAAAoAAAAZAAAAGQAAAAAAAAAzMzMAAAAAABQAAAAUAAAAGQAAABkAAAAAAAAABcAAAAUAAAAAAAAAAAAAAD/fwAA/38AAAAAAAAJAAAABAAAAAAAAAEeAAAAaAAAAAAAAAAAAAAAAAAAAAAAAAAAAAAAECcAABAnAAAAAAAAAAAAAAAAAAAAAAAAAAAAAAAAAAAAAAAAAAAAABQAAAAAAAAAwMD/AAAAAABkAAAAMgAAAAAAAABkAAAAAAAAAH9/fwAKAAAAIgAAABgAAAAAAAAAAAAAAAAAAAAAAAAAAAAAAAAAAAAkAAAAJAAAAAAAAAAHAAAAAAAAAAAAAAAAAAAAAAAAAAAAAAAAAAAAf39/ACUAAABYAAAAAAAAAAAAAAAAAAAAAAAAAAAAAAAAAAAAAAAAAAAAAAAAAAAAAAAAAAAAAAA/AAAAAAAAAKCGAQAAAAAAAAAAAAAAAAAMAAAAAQAAAAAAAAAAAAAAAAAAAB8AAABUAAAAT4G9Bf///wEAAAAAAAAAAAAAAAAAAAAAAAAAAAAAAAAAAAAAAAAAAAAAAAJ/f38A7uzhA8zMzADAwP8Af39/AAAAAAAAAAAAAAAAAAAAAAAAAAAAIQAAABgAAAAUAAAA0AIAALEBAABwNQAAuQgAABAAAAAmAAAACAAAAAAgAAAAAAAA"/>
+                <pr:smNativeData xmlns:pr="smNativeData" xmlns="smNativeData" val="SMDATA_15_iunWYhMAAAAlAAAAZAAAAA0AAAAAkAAAAEgAAACQAAAASAAAAAAAAAABAAAAAAAAAAEAAABQAAAAAAAAAAAA4D8AAAAAAADgPwAAAAAAAOA/AAAAAAAA4D8AAAAAAADgPwAAAAAAAOA/AAAAAAAA4D8AAAAAAADgPwAAAAAAAOA/AAAAAAAA4D8CAAAAjAAAAAAAAAAAAAAAT4G9DP///wgAAAAAAAAAAAAAAAAAAAAAAAAAAAAAAAAAAAAAZAAAAAEAAABAAAAAAAAAAAAAAAAAAAAAAAAAAAAAAAAAAAAAAAAAAAAAAAAAAAAAAAAAAAAAAAAAAAAAAAAAAAAAAAAAAAAAAAAAAAAAAAAAAAAAAAAAAAAAAAAAAAAAFAAAADwAAAAAAAAAAAAAAAAAAAkUAAAAAQAAABQAAAAUAAAAFAAAAAEAAAAAAAAAZAAAAGQAAAAAAAAAZAAAAGQAAAAVAAAAYAAAAAAAAAAAAAAADwAAACADAAAAAAAAAAAAAAEAAACgMgAAVgcAAKr4//8BAAAAf39/AAEAAABkAAAAAAAAABQAAABAHwAAAAAAACYAAAAAAAAAwOD//wAAAAAmAAAAZAAAABYAAABMAAAAAAAAAAAAAAAEAAAAAAAAAAEAAADu7OEKAAAAACgAAAAoAAAAZAAAAGQAAAAAAAAAzMzMAAAAAABQAAAAUAAAAGQAAABkAAAAAAAAABcAAAAUAAAAAAAAAAAAAAD/fwAA/38AAAAAAAAJAAAABAAAAAAAAAEeAAAAaAAAAAAAAAAAAAAAAAAAAAAAAAAAAAAAECcAABAnAAAAAAAAAAAAAAAAAAAAAAAAAAAAAAAAAAAAAAAAAAAAABQAAAAAAAAAwMD/AAAAAABkAAAAMgAAAAAAAABkAAAAAAAAAH9/fwAKAAAAIgAAABgAAAAAAAAAAAAAAAAAAAAAAAAAAAAAAAAAAAAkAAAAJAAAAAAAAAAHAAAAAAAAAAAAAAAAAAAAAAAAAAAAAAAAAAAAf39/ACUAAABYAAAAAAAAAAAAAAAAAAAAAAAAAAAAAAAAAAAAAAAAAAAAAAAAAAAAAAAAAAAAAAA/AAAAAAAAAKCGAQAAAAAAAAAAAAAAAAAMAAAAAQAAAAAAAAAAAAAAAAAAAB8AAABUAAAAT4G9Bf///wEAAAAAAAAAAAAAAAAAAAAAAAAAAAAAAAAAAAAAAAAAAAAAAAJ/f38A7uzhA8zMzADAwP8Af39/AAAAAAAAAAAAAAAAAAAAAAAAAAAAIQAAABgAAAAUAAAA0AIAALEBAABwNQAAuQgAABAAAAAmAAAACAAAAAAgAAAAAAAA"/>
               </a:ext>
             </a:extLst>
           </p:cNvSpPr>
@@ -4720,7 +4707,7 @@
             <a:picLocks noChangeAspect="1"/>
             <a:extLst>
               <a:ext uri="smNativeData">
-                <pr:smNativeData xmlns:pr="smNativeData" xmlns="smNativeData" val="SMDATA_17_JtjWYhMAAAAlAAAAEQAAAC0AAAAAkAAAAEgAAACQAAAASAAAAAAAAAAAAAAAAAAAAAEAAABQAAAAAAAAAAAA4D8AAAAAAADgPwAAAAAAAOA/AAAAAAAA4D8AAAAAAADgPwAAAAAAAOA/AAAAAAAA4D8AAAAAAADgPwAAAAAAAOA/AAAAAAAA4D8CAAAAjAAAAAAAAAAAAAAAT4G9DP///wgAAAAAAAAAAAAAAAAAAAAAAAAAAAAAAAAAAAAAZAAAAAEAAABAAAAAAAAAAAAAAAAAAAAAAAAAAAAAAAAAAAAAAAAAAAAAAAAAAAAAAAAAAAAAAAAAAAAAAAAAAAAAAAAAAAAAAAAAAAAAAAAAAAAAAAAAAAAAAAAAAAAAFAAAADwAAAAAAAAAAAAAAAAAAAkUAAAAAQAAABQAAAAUAAAAFAAAAAEAAAAAAAAAZAAAAGQAAAAAAAAAZAAAAGQAAAAVAAAAYAAAAAAAAAAAAAAADwAAACADAAAAAAAAAAAAAAEAAACgMgAAVgcAAKr4//8BAAAAf39/AAEAAABkAAAAAAAAABQAAABAHwAAAAAAACYAAAAAAAAAwOD//wAAAAAmAAAAZAAAABYAAABMAAAAAAAAAAAAAAAEAAAAAAAAAAEAAADu7OEKAAAAACgAAAAoAAAAZAAAAGQAAAAAAAAAzMzMAAAAAABQAAAAUAAAAGQAAABkAAAAAAAAAAcAAAA4AAAAAAAAAAAAAAAAAAAA////AAAAAAAAAAAAAAAAAAAAAAAAAAAAAAAAAAAAAABkAAAAZAAAAAAAAAAjAAAABAAAAGQAAAAXAAAAFAAAAAAAAAAAAAAA/38AAP9/AAAAAAAACQAAAAQAAAAAAAAAHgAAAGgAAAAAAAAAAAAAAAAAAAAAAAAAAAAAABAnAAAQJwAAAAAAAAAAAAAAAAAAAAAAAAAAAAAAAAAAAAAAAAAAAAAUAAAAAAAAAMDA/wAAAAAAZAAAADIAAAAAAAAAZAAAAAAAAAB/f38ACgAAACIAAAAYAAAAAAAAAAAAAAAAAAAAAAAAAAAAAAAAAAAAJAAAACQAAAAAAAAABwAAAAAAAAAAAAAAAAAAAAAAAAAAAAAAAAAAAH9/fwAlAAAAWAAAAAAAAAAAAAAAAAAAAAAAAAAAAAAAAAAAAAAAAAAAAAAAAAAAAAAAAAAAAAAAPwAAAAAAAACghgEAAAAAAAAAAAAAAAAADAAAAAEAAAAAAAAAAAAAAAAAAAAfAAAAVAAAAE+BvQX///8BAAAAAAAAAAAAAAAAAAAAAAAAAAAAAAAAAAAAAAAAAAAAAAACf39/AO7s4QPMzMwAwMD/AH9/fwAAAAAAAAAAAAAAAAD///8AAAAAACEAAAAYAAAAFAAAAAAAAADwCgAAUTgAADAqAAAQAAAAJgAAAAgAAAD//////////w=="/>
+                <pr:smNativeData xmlns:pr="smNativeData" xmlns="smNativeData" val="SMDATA_17_iunWYhMAAAAlAAAAEQAAAC0AAAAAkAAAAEgAAACQAAAASAAAAAAAAAAAAAAAAAAAAAEAAABQAAAAAAAAAAAA4D8AAAAAAADgPwAAAAAAAOA/AAAAAAAA4D8AAAAAAADgPwAAAAAAAOA/AAAAAAAA4D8AAAAAAADgPwAAAAAAAOA/AAAAAAAA4D8CAAAAjAAAAAAAAAAAAAAAT4G9DP///wgAAAAAAAAAAAAAAAAAAAAAAAAAAAAAAAAAAAAAZAAAAAEAAABAAAAAAAAAAAAAAAAAAAAAAAAAAAAAAAAAAAAAAAAAAAAAAAAAAAAAAAAAAAAAAAAAAAAAAAAAAAAAAAAAAAAAAAAAAAAAAAAAAAAAAAAAAAAAAAAAAAAAFAAAADwAAAAAAAAAAAAAAAAAAAkUAAAAAQAAABQAAAAUAAAAFAAAAAEAAAAAAAAAZAAAAGQAAAAAAAAAZAAAAGQAAAAVAAAAYAAAAAAAAAAAAAAADwAAACADAAAAAAAAAAAAAAEAAACgMgAAVgcAAKr4//8BAAAAf39/AAEAAABkAAAAAAAAABQAAABAHwAAAAAAACYAAAAAAAAAwOD//wAAAAAmAAAAZAAAABYAAABMAAAAAAAAAAAAAAAEAAAAAAAAAAEAAADu7OEKAAAAACgAAAAoAAAAZAAAAGQAAAAAAAAAzMzMAAAAAABQAAAAUAAAAGQAAABkAAAAAAAAAAcAAAA4AAAAAAAAAAAAAAAAAAAA////AAAAAAAAAAAAAAAAAAAAAAAAAAAAAAAAAAAAAABkAAAAZAAAAAAAAAAjAAAABAAAAGQAAAAXAAAAFAAAAAAAAAAAAAAA/38AAP9/AAAAAAAACQAAAAQAAAAAAAAAHgAAAGgAAAAAAAAAAAAAAAAAAAAAAAAAAAAAABAnAAAQJwAAAAAAAAAAAAAAAAAAAAAAAAAAAAAAAAAAAAAAAAAAAAAUAAAAAAAAAMDA/wAAAAAAZAAAADIAAAAAAAAAZAAAAAAAAAB/f38ACgAAACIAAAAYAAAAAAAAAAAAAAAAAAAAAAAAAAAAAAAAAAAAJAAAACQAAAAAAAAABwAAAAAAAAAAAAAAAAAAAAAAAAAAAAAAAAAAAH9/fwAlAAAAWAAAAAAAAAAAAAAAAAAAAAAAAAAAAAAAAAAAAAAAAAAAAAAAAAAAAAAAAAAAAAAAPwAAAAAAAACghgEAAAAAAAAAAAAAAAAADAAAAAEAAAAAAAAAAAAAAAAAAAAfAAAAVAAAAE+BvQX///8BAAAAAAAAAAAAAAAAAAAAAAAAAAAAAAAAAAAAAAAAAAAAAAACf39/AO7s4QPMzMwAwMD/AH9/fwAAAAAAAAAAAAAAAAD///8AAAAAACEAAAAYAAAAFAAAAAAAAADwCgAAUTgAADAqAAAQAAAAJgAAAAgAAAD//////////w=="/>
               </a:ext>
             </a:extLst>
           </p:cNvPicPr>
@@ -4786,7 +4773,7 @@
             <a:spLocks noGrp="1" noChangeArrowheads="1"/>
             <a:extLst>
               <a:ext uri="smNativeData">
-                <pr:smNativeData xmlns:pr="smNativeData" xmlns="smNativeData" val="SMDATA_15_JtjWYhMAAAAlAAAAZAAAAA0AAAAAkAAAAEgAAACQAAAASAAAAAAAAAABAAAAAAAAAAEAAABQAAAAAAAAAAAA4D8AAAAAAADgPwAAAAAAAOA/AAAAAAAA4D8AAAAAAADgPwAAAAAAAOA/AAAAAAAA4D8AAAAAAADgPwAAAAAAAOA/AAAAAAAA4D8CAAAAjAAAAAAAAAAAAAAAT4G9DP///wgAAAAAAAAAAAAAAAAAAAAAAAAAAAAAAAAAAAAAZAAAAAEAAABAAAAAAAAAAAAAAAAAAAAAAAAAAAAAAAAAAAAAAAAAAAAAAAAAAAAAAAAAAAAAAAAAAAAAAAAAAAAAAAAAAAAAAAAAAAAAAAAAAAAAAAAAAAAAAAAAAAAAFAAAADwAAAAAAAAAAAAAAAAAAAkUAAAAAQAAABQAAAAUAAAAFAAAAAEAAAAAAAAAZAAAAGQAAAAAAAAAZAAAAGQAAAAVAAAAYAAAAAAAAAAAAAAADwAAACADAAAAAAAAAAAAAAEAAACgMgAAVgcAAKr4//8BAAAAf39/AAEAAABkAAAAAAAAABQAAABAHwAAAAAAACYAAAAAAAAAwOD//wAAAAAmAAAAZAAAABYAAABMAAAAAAAAAAAAAAAEAAAAAAAAAAEAAADu7OEKAAAAACgAAAAoAAAAZAAAAGQAAAAAAAAAzMzMAAAAAABQAAAAUAAAAGQAAABkAAAAAAAAABcAAAAUAAAAAAAAAAAAAAD/fwAA/38AAAAAAAAJAAAABAAAAAAAAAAeAAAAaAAAAAAAAAAAAAAAAAAAAAAAAAAAAAAAECcAABAnAAAAAAAAAAAAAAAAAAAAAAAAAAAAAAAAAAAAAAAAAAAAABQAAAAAAAAAwMD/AAAAAABkAAAAMgAAAAAAAABkAAAAAAAAAH9/fwAKAAAAIgAAABgAAAAAAAAAAAAAAAAAAAAAAAAAAAAAAAAAAAAkAAAAJAAAAAAAAAAHAAAAAAAAAAAAAAAAAAAAAAAAAAAAAAAAAAAAf39/ACUAAABYAAAAAAAAAAAAAAAAAAAAAAAAAAAAAAAAAAAAAAAAAAAAAAAAAAAAAAAAAAAAAAA/AAAAAAAAAKCGAQAAAAAAAAAAAAAAAAAMAAAAAQAAAAAAAAAAAAAAAAAAAB8AAABUAAAAT4G9Bf///wEAAAAAAAAAAAAAAAAAAAAAAAAAAAAAAAAAAAAAAAAAAAAAAAJ/f38A7uzhA8zMzADAwP8Af39/AAAAAAAAAAAAAAAAAAAAAAAAAAAAIQAAABgAAAAUAAAA0AIAALEBAABwNQAAuQgAABAAAAAmAAAACAAAAAAgAAAAAAAA"/>
+                <pr:smNativeData xmlns:pr="smNativeData" xmlns="smNativeData" val="SMDATA_15_iunWYhMAAAAlAAAAZAAAAA0AAAAAkAAAAEgAAACQAAAASAAAAAAAAAABAAAAAAAAAAEAAABQAAAAAAAAAAAA4D8AAAAAAADgPwAAAAAAAOA/AAAAAAAA4D8AAAAAAADgPwAAAAAAAOA/AAAAAAAA4D8AAAAAAADgPwAAAAAAAOA/AAAAAAAA4D8CAAAAjAAAAAAAAAAAAAAAT4G9DP///wgAAAAAAAAAAAAAAAAAAAAAAAAAAAAAAAAAAAAAZAAAAAEAAABAAAAAAAAAAAAAAAAAAAAAAAAAAAAAAAAAAAAAAAAAAAAAAAAAAAAAAAAAAAAAAAAAAAAAAAAAAAAAAAAAAAAAAAAAAAAAAAAAAAAAAAAAAAAAAAAAAAAAFAAAADwAAAAAAAAAAAAAAAAAAAkUAAAAAQAAABQAAAAUAAAAFAAAAAEAAAAAAAAAZAAAAGQAAAAAAAAAZAAAAGQAAAAVAAAAYAAAAAAAAAAAAAAADwAAACADAAAAAAAAAAAAAAEAAACgMgAAVgcAAKr4//8BAAAAf39/AAEAAABkAAAAAAAAABQAAABAHwAAAAAAACYAAAAAAAAAwOD//wAAAAAmAAAAZAAAABYAAABMAAAAAAAAAAAAAAAEAAAAAAAAAAEAAADu7OEKAAAAACgAAAAoAAAAZAAAAGQAAAAAAAAAzMzMAAAAAABQAAAAUAAAAGQAAABkAAAAAAAAABcAAAAUAAAAAAAAAAAAAAD/fwAA/38AAAAAAAAJAAAABAAAAAAAAAAeAAAAaAAAAAAAAAAAAAAAAAAAAAAAAAAAAAAAECcAABAnAAAAAAAAAAAAAAAAAAAAAAAAAAAAAAAAAAAAAAAAAAAAABQAAAAAAAAAwMD/AAAAAABkAAAAMgAAAAAAAABkAAAAAAAAAH9/fwAKAAAAIgAAABgAAAAAAAAAAAAAAAAAAAAAAAAAAAAAAAAAAAAkAAAAJAAAAAAAAAAHAAAAAAAAAAAAAAAAAAAAAAAAAAAAAAAAAAAAf39/ACUAAABYAAAAAAAAAAAAAAAAAAAAAAAAAAAAAAAAAAAAAAAAAAAAAAAAAAAAAAAAAAAAAAA/AAAAAAAAAKCGAQAAAAAAAAAAAAAAAAAMAAAAAQAAAAAAAAAAAAAAAAAAAB8AAABUAAAAT4G9Bf///wEAAAAAAAAAAAAAAAAAAAAAAAAAAAAAAAAAAAAAAAAAAAAAAAJ/f38A7uzhA8zMzADAwP8Af39/AAAAAAAAAAAAAAAAAAAAAAAAAAAAIQAAABgAAAAUAAAA0AIAALEBAABwNQAAuQgAABAAAAAmAAAACAAAAAAgAAAAAAAA"/>
               </a:ext>
             </a:extLst>
           </p:cNvSpPr>
@@ -4826,7 +4813,7 @@
             <a:picLocks noChangeAspect="1"/>
             <a:extLst>
               <a:ext uri="smNativeData">
-                <pr:smNativeData xmlns:pr="smNativeData" xmlns="smNativeData" val="SMDATA_17_JtjWYhMAAAAlAAAAEQAAAC0AAAAAkAAAAEgAAACQAAAASAAAAAAAAAAAAAAAAAAAAAEAAABQAAAAAAAAAAAA4D8AAAAAAADgPwAAAAAAAOA/AAAAAAAA4D8AAAAAAADgPwAAAAAAAOA/AAAAAAAA4D8AAAAAAADgPwAAAAAAAOA/AAAAAAAA4D8CAAAAjAAAAAAAAAAAAAAAT4G9DP///wgAAAAAAAAAAAAAAAAAAAAAAAAAAAAAAAAAAAAAZAAAAAEAAABAAAAAAAAAAAAAAAAAAAAAAAAAAAAAAAAAAAAAAAAAAAAAAAAAAAAAAAAAAAAAAAAAAAAAAAAAAAAAAAAAAAAAAAAAAAAAAAAAAAAAAAAAAAAAAAAAAAAAFAAAADwAAAAAAAAAAAAAAAAAAAkUAAAAAQAAABQAAAAUAAAAFAAAAAEAAAAAAAAAZAAAAGQAAAAAAAAAZAAAAGQAAAAVAAAAYAAAAAAAAAAAAAAADwAAACADAAAAAAAAAAAAAAEAAACgMgAAVgcAAKr4//8BAAAAf39/AAEAAABkAAAAAAAAABQAAABAHwAAAAAAACYAAAAAAAAAwOD//wAAAAAmAAAAZAAAABYAAABMAAAAAAAAAAAAAAAEAAAAAAAAAAEAAADu7OEKAAAAACgAAAAoAAAAZAAAAGQAAAAAAAAAzMzMAAAAAABQAAAAUAAAAGQAAABkAAAAAAAAAAcAAAA4AAAAAAAAAAAAAAAAAAAA////AAAAAAAAAAAAAAAAAAAAAAAAAAAAAAAAAAAAAABkAAAAZAAAAAAAAAAjAAAABAAAAGQAAAAXAAAAFAAAAAAAAAAAAAAA/38AAP9/AAAAAAAACQAAAAQAAAAAAAAAHgAAAGgAAAAAAAAAAAAAAAAAAAAAAAAAAAAAABAnAAAQJwAAAAAAAAAAAAAAAAAAAAAAAAAAAAAAAAAAAAAAAAAAAAAUAAAAAAAAAMDA/wAAAAAAZAAAADIAAAAAAAAAZAAAAAAAAAB/f38ACgAAACIAAAAYAAAAAAAAAAAAAAAAAAAAAAAAAAAAAAAAAAAAJAAAACQAAAAAAAAABwAAAAAAAAAAAAAAAAAAAAAAAAAAAAAAAAAAAH9/fwAlAAAAWAAAAAAAAAAAAAAAAAAAAAAAAAAAAAAAAAAAAAAAAAAAAAAAAAAAAAAAAAAAAAAAPwAAAAAAAACghgEAAAAAAAAAAAAAAAAADAAAAAEAAAAAAAAAAAAAAAAAAAAfAAAAVAAAAE+BvQX///8BAAAAAAAAAAAAAAAAAAAAAAAAAAAAAAAAAAAAAAAAAAAAAAACf39/AO7s4QPMzMwAwMD/AH9/fwAAAAAAAAAAAAAAAAD///8AAAAAACEAAAAYAAAAFAAAAPH////wCgAAQDgAADAqAAAQAAAAJgAAAAgAAAD//////////w=="/>
+                <pr:smNativeData xmlns:pr="smNativeData" xmlns="smNativeData" val="SMDATA_17_iunWYhMAAAAlAAAAEQAAAC0AAAAAkAAAAEgAAACQAAAASAAAAAAAAAAAAAAAAAAAAAEAAABQAAAAAAAAAAAA4D8AAAAAAADgPwAAAAAAAOA/AAAAAAAA4D8AAAAAAADgPwAAAAAAAOA/AAAAAAAA4D8AAAAAAADgPwAAAAAAAOA/AAAAAAAA4D8CAAAAjAAAAAAAAAAAAAAAT4G9DP///wgAAAAAAAAAAAAAAAAAAAAAAAAAAAAAAAAAAAAAZAAAAAEAAABAAAAAAAAAAAAAAAAAAAAAAAAAAAAAAAAAAAAAAAAAAAAAAAAAAAAAAAAAAAAAAAAAAAAAAAAAAAAAAAAAAAAAAAAAAAAAAAAAAAAAAAAAAAAAAAAAAAAAFAAAADwAAAAAAAAAAAAAAAAAAAkUAAAAAQAAABQAAAAUAAAAFAAAAAEAAAAAAAAAZAAAAGQAAAAAAAAAZAAAAGQAAAAVAAAAYAAAAAAAAAAAAAAADwAAACADAAAAAAAAAAAAAAEAAACgMgAAVgcAAKr4//8BAAAAf39/AAEAAABkAAAAAAAAABQAAABAHwAAAAAAACYAAAAAAAAAwOD//wAAAAAmAAAAZAAAABYAAABMAAAAAAAAAAAAAAAEAAAAAAAAAAEAAADu7OEKAAAAACgAAAAoAAAAZAAAAGQAAAAAAAAAzMzMAAAAAABQAAAAUAAAAGQAAABkAAAAAAAAAAcAAAA4AAAAAAAAAAAAAAAAAAAA////AAAAAAAAAAAAAAAAAAAAAAAAAAAAAAAAAAAAAABkAAAAZAAAAAAAAAAjAAAABAAAAGQAAAAXAAAAFAAAAAAAAAAAAAAA/38AAP9/AAAAAAAACQAAAAQAAAAAAAAAHgAAAGgAAAAAAAAAAAAAAAAAAAAAAAAAAAAAABAnAAAQJwAAAAAAAAAAAAAAAAAAAAAAAAAAAAAAAAAAAAAAAAAAAAAUAAAAAAAAAMDA/wAAAAAAZAAAADIAAAAAAAAAZAAAAAAAAAB/f38ACgAAACIAAAAYAAAAAAAAAAAAAAAAAAAAAAAAAAAAAAAAAAAAJAAAACQAAAAAAAAABwAAAAAAAAAAAAAAAAAAAAAAAAAAAAAAAAAAAH9/fwAlAAAAWAAAAAAAAAAAAAAAAAAAAAAAAAAAAAAAAAAAAAAAAAAAAAAAAAAAAAAAAAAAAAAAPwAAAAAAAACghgEAAAAAAAAAAAAAAAAADAAAAAEAAAAAAAAAAAAAAAAAAAAfAAAAVAAAAE+BvQX///8BAAAAAAAAAAAAAAAAAAAAAAAAAAAAAAAAAAAAAAAAAAAAAAACf39/AO7s4QPMzMwAwMD/AH9/fwAAAAAAAAAAAAAAAAD///8AAAAAACEAAAAYAAAAFAAAAPH////wCgAAQDgAADAqAAAQAAAAJgAAAAgAAAD//////////w=="/>
               </a:ext>
             </a:extLst>
           </p:cNvPicPr>
@@ -4892,7 +4879,7 @@
             <a:spLocks noGrp="1" noChangeArrowheads="1"/>
             <a:extLst>
               <a:ext uri="smNativeData">
-                <pr:smNativeData xmlns:pr="smNativeData" xmlns="smNativeData" val="SMDATA_15_JtjWYhMAAAAlAAAAZAAAAA0AAAAAkAAAAEgAAACQAAAASAAAAAAAAAABAAAAAAAAAAEAAABQAAAAAAAAAAAA4D8AAAAAAADgPwAAAAAAAOA/AAAAAAAA4D8AAAAAAADgPwAAAAAAAOA/AAAAAAAA4D8AAAAAAADgPwAAAAAAAOA/AAAAAAAA4D8CAAAAjAAAAAAAAAAAAAAAT4G9DP///wgAAAAAAAAAAAAAAAAAAAAAAAAAAAAAAAAAAAAAZAAAAAEAAABAAAAAAAAAAAAAAAAAAAAAAAAAAAAAAAAAAAAAAAAAAAAAAAAAAAAAAAAAAAAAAAAAAAAAAAAAAAAAAAAAAAAAAAAAAAAAAAAAAAAAAAAAAAAAAAAAAAAAFAAAADwAAAAAAAAAAAAAAAAAAAkUAAAAAQAAABQAAAAUAAAAFAAAAAEAAAAAAAAAZAAAAGQAAAAAAAAAZAAAAGQAAAAVAAAAYAAAAAAAAAAAAAAADwAAACADAAAAAAAAAAAAAAEAAACgMgAAVgcAAKr4//8BAAAAf39/AAEAAABkAAAAAAAAABQAAABAHwAAAAAAACYAAAAAAAAAwOD//wAAAAAmAAAAZAAAABYAAABMAAAAAAAAAAAAAAAEAAAAAAAAAAEAAADu7OEKAAAAACgAAAAoAAAAZAAAAGQAAAAAAAAAzMzMAAAAAABQAAAAUAAAAGQAAABkAAAAAAAAABcAAAAUAAAAAAAAAAAAAAD/fwAA/38AAAAAAAAJAAAABAAAAAAAAAAeAAAAaAAAAAAAAAAAAAAAAAAAAAAAAAAAAAAAECcAABAnAAAAAAAAAAAAAAAAAAAAAAAAAAAAAAAAAAAAAAAAAAAAABQAAAAAAAAAwMD/AAAAAABkAAAAMgAAAAAAAABkAAAAAAAAAH9/fwAKAAAAIgAAABgAAAAAAAAAAAAAAAAAAAAAAAAAAAAAAAAAAAAkAAAAJAAAAAAAAAAHAAAAAAAAAAAAAAAAAAAAAAAAAAAAAAAAAAAAf39/ACUAAABYAAAAAAAAAAAAAAAAAAAAAAAAAAAAAAAAAAAAAAAAAAAAAAAAAAAAAAAAAAAAAAA/AAAAAAAAAKCGAQAAAAAAAAAAAAAAAAAMAAAAAQAAAAAAAAAAAAAAAAAAAB8AAABUAAAAT4G9Bf///wEAAAAAAAAAAAAAAAAAAAAAAAAAAAAAAAAAAAAAAAAAAAAAAAJ/f38A7uzhA8zMzADAwP8Af39/AAAAAAAAAAAAAAAAAAAAAAAAAAAAIQAAABgAAAAUAAAA0AIAALEBAABwNQAAuQgAABAAAAAmAAAACAAAAAAgAAAAAAAA"/>
+                <pr:smNativeData xmlns:pr="smNativeData" xmlns="smNativeData" val="SMDATA_15_iunWYhMAAAAlAAAAZAAAAA0AAAAAkAAAAEgAAACQAAAASAAAAAAAAAABAAAAAAAAAAEAAABQAAAAAAAAAAAA4D8AAAAAAADgPwAAAAAAAOA/AAAAAAAA4D8AAAAAAADgPwAAAAAAAOA/AAAAAAAA4D8AAAAAAADgPwAAAAAAAOA/AAAAAAAA4D8CAAAAjAAAAAAAAAAAAAAAT4G9DP///wgAAAAAAAAAAAAAAAAAAAAAAAAAAAAAAAAAAAAAZAAAAAEAAABAAAAAAAAAAAAAAAAAAAAAAAAAAAAAAAAAAAAAAAAAAAAAAAAAAAAAAAAAAAAAAAAAAAAAAAAAAAAAAAAAAAAAAAAAAAAAAAAAAAAAAAAAAAAAAAAAAAAAFAAAADwAAAAAAAAAAAAAAAAAAAkUAAAAAQAAABQAAAAUAAAAFAAAAAEAAAAAAAAAZAAAAGQAAAAAAAAAZAAAAGQAAAAVAAAAYAAAAAAAAAAAAAAADwAAACADAAAAAAAAAAAAAAEAAACgMgAAVgcAAKr4//8BAAAAf39/AAEAAABkAAAAAAAAABQAAABAHwAAAAAAACYAAAAAAAAAwOD//wAAAAAmAAAAZAAAABYAAABMAAAAAAAAAAAAAAAEAAAAAAAAAAEAAADu7OEKAAAAACgAAAAoAAAAZAAAAGQAAAAAAAAAzMzMAAAAAABQAAAAUAAAAGQAAABkAAAAAAAAABcAAAAUAAAAAAAAAAAAAAD/fwAA/38AAAAAAAAJAAAABAAAAAAAAAAeAAAAaAAAAAAAAAAAAAAAAAAAAAAAAAAAAAAAECcAABAnAAAAAAAAAAAAAAAAAAAAAAAAAAAAAAAAAAAAAAAAAAAAABQAAAAAAAAAwMD/AAAAAABkAAAAMgAAAAAAAABkAAAAAAAAAH9/fwAKAAAAIgAAABgAAAAAAAAAAAAAAAAAAAAAAAAAAAAAAAAAAAAkAAAAJAAAAAAAAAAHAAAAAAAAAAAAAAAAAAAAAAAAAAAAAAAAAAAAf39/ACUAAABYAAAAAAAAAAAAAAAAAAAAAAAAAAAAAAAAAAAAAAAAAAAAAAAAAAAAAAAAAAAAAAA/AAAAAAAAAKCGAQAAAAAAAAAAAAAAAAAMAAAAAQAAAAAAAAAAAAAAAAAAAB8AAABUAAAAT4G9Bf///wEAAAAAAAAAAAAAAAAAAAAAAAAAAAAAAAAAAAAAAAAAAAAAAAJ/f38A7uzhA8zMzADAwP8Af39/AAAAAAAAAAAAAAAAAAAAAAAAAAAAIQAAABgAAAAUAAAA0AIAALEBAABwNQAAuQgAABAAAAAmAAAACAAAAAAgAAAAAAAA"/>
               </a:ext>
             </a:extLst>
           </p:cNvSpPr>
@@ -4932,7 +4919,7 @@
             <a:picLocks noChangeAspect="1"/>
             <a:extLst>
               <a:ext uri="smNativeData">
-                <pr:smNativeData xmlns:pr="smNativeData" xmlns="smNativeData" val="SMDATA_17_JtjWYhMAAAAlAAAAEQAAAC0AAAAAkAAAAEgAAACQAAAASAAAAAAAAAAAAAAAAAAAAAEAAABQAAAAAAAAAAAA4D8AAAAAAADgPwAAAAAAAOA/AAAAAAAA4D8AAAAAAADgPwAAAAAAAOA/AAAAAAAA4D8AAAAAAADgPwAAAAAAAOA/AAAAAAAA4D8CAAAAjAAAAAAAAAAAAAAAT4G9DP///wgAAAAAAAAAAAAAAAAAAAAAAAAAAAAAAAAAAAAAZAAAAAEAAABAAAAAAAAAAAAAAAAAAAAAAAAAAAAAAAAAAAAAAAAAAAAAAAAAAAAAAAAAAAAAAAAAAAAAAAAAAAAAAAAAAAAAAAAAAAAAAAAAAAAAAAAAAAAAAAAAAAAAFAAAADwAAAAAAAAAAAAAAAAAAAkUAAAAAQAAABQAAAAUAAAAFAAAAAEAAAAAAAAAZAAAAGQAAAAAAAAAZAAAAGQAAAAVAAAAYAAAAAAAAAAAAAAADwAAACADAAAAAAAAAAAAAAEAAACgMgAAVgcAAKr4//8BAAAAf39/AAEAAABkAAAAAAAAABQAAABAHwAAAAAAACYAAAAAAAAAwOD//wAAAAAmAAAAZAAAABYAAABMAAAAAAAAAAAAAAAEAAAAAAAAAAEAAADu7OEKAAAAACgAAAAoAAAAZAAAAGQAAAAAAAAAzMzMAAAAAABQAAAAUAAAAGQAAABkAAAAAAAAAAcAAAA4AAAAAAAAAAAAAAAAAAAA////AAAAAAAAAAAAAAAAAAAAAAAAAAAAAAAAAAAAAABkAAAAZAAAAAAAAAAjAAAABAAAAGQAAAAXAAAAFAAAAAAAAAAAAAAA/38AAP9/AAAAAAAACQAAAAQAAAAAAAAAHgAAAGgAAAAAAAAAAAAAAAAAAAAAAAAAAAAAABAnAAAQJwAAAAAAAAAAAAAAAAAAAAAAAAAAAAAAAAAAAAAAAAAAAAAUAAAAAAAAAMDA/wAAAAAAZAAAADIAAAAAAAAAZAAAAAAAAAB/f38ACgAAACIAAAAYAAAAAAAAAAAAAAAAAAAAAAAAAAAAAAAAAAAAJAAAACQAAAAAAAAABwAAAAAAAAAAAAAAAAAAAAAAAAAAAAAAAAAAAH9/fwAlAAAAWAAAAAAAAAAAAAAAAAAAAAAAAAAAAAAAAAAAAAAAAAAAAAAAAAAAAAAAAAAAAAAAPwAAAAAAAACghgEAAAAAAAAAAAAAAAAADAAAAAEAAAAAAAAAAAAAAAAAAAAfAAAAVAAAAE+BvQX///8BAAAAAAAAAAAAAAAAAAAAAAAAAAAAAAAAAAAAAAAAAAAAAAACf39/AO7s4QPMzMwAwMD/AH9/fwAAAAAAAAAAAAAAAAD///8AAAAAACEAAAAYAAAAFAAAAAAAAAD6CgAAQDgAADAqAAAQAAAAJgAAAAgAAAD//////////w=="/>
+                <pr:smNativeData xmlns:pr="smNativeData" xmlns="smNativeData" val="SMDATA_17_iunWYhMAAAAlAAAAEQAAAC0AAAAAkAAAAEgAAACQAAAASAAAAAAAAAAAAAAAAAAAAAEAAABQAAAAAAAAAAAA4D8AAAAAAADgPwAAAAAAAOA/AAAAAAAA4D8AAAAAAADgPwAAAAAAAOA/AAAAAAAA4D8AAAAAAADgPwAAAAAAAOA/AAAAAAAA4D8CAAAAjAAAAAAAAAAAAAAAT4G9DP///wgAAAAAAAAAAAAAAAAAAAAAAAAAAAAAAAAAAAAAZAAAAAEAAABAAAAAAAAAAAAAAAAAAAAAAAAAAAAAAAAAAAAAAAAAAAAAAAAAAAAAAAAAAAAAAAAAAAAAAAAAAAAAAAAAAAAAAAAAAAAAAAAAAAAAAAAAAAAAAAAAAAAAFAAAADwAAAAAAAAAAAAAAAAAAAkUAAAAAQAAABQAAAAUAAAAFAAAAAEAAAAAAAAAZAAAAGQAAAAAAAAAZAAAAGQAAAAVAAAAYAAAAAAAAAAAAAAADwAAACADAAAAAAAAAAAAAAEAAACgMgAAVgcAAKr4//8BAAAAf39/AAEAAABkAAAAAAAAABQAAABAHwAAAAAAACYAAAAAAAAAwOD//wAAAAAmAAAAZAAAABYAAABMAAAAAAAAAAAAAAAEAAAAAAAAAAEAAADu7OEKAAAAACgAAAAoAAAAZAAAAGQAAAAAAAAAzMzMAAAAAABQAAAAUAAAAGQAAABkAAAAAAAAAAcAAAA4AAAAAAAAAAAAAAAAAAAA////AAAAAAAAAAAAAAAAAAAAAAAAAAAAAAAAAAAAAABkAAAAZAAAAAAAAAAjAAAABAAAAGQAAAAXAAAAFAAAAAAAAAAAAAAA/38AAP9/AAAAAAAACQAAAAQAAAAAAAAAHgAAAGgAAAAAAAAAAAAAAAAAAAAAAAAAAAAAABAnAAAQJwAAAAAAAAAAAAAAAAAAAAAAAAAAAAAAAAAAAAAAAAAAAAAUAAAAAAAAAMDA/wAAAAAAZAAAADIAAAAAAAAAZAAAAAAAAAB/f38ACgAAACIAAAAYAAAAAAAAAAAAAAAAAAAAAAAAAAAAAAAAAAAAJAAAACQAAAAAAAAABwAAAAAAAAAAAAAAAAAAAAAAAAAAAAAAAAAAAH9/fwAlAAAAWAAAAAAAAAAAAAAAAAAAAAAAAAAAAAAAAAAAAAAAAAAAAAAAAAAAAAAAAAAAAAAAPwAAAAAAAACghgEAAAAAAAAAAAAAAAAADAAAAAEAAAAAAAAAAAAAAAAAAAAfAAAAVAAAAE+BvQX///8BAAAAAAAAAAAAAAAAAAAAAAAAAAAAAAAAAAAAAAAAAAAAAAACf39/AO7s4QPMzMwAwMD/AH9/fwAAAAAAAAAAAAAAAAD///8AAAAAACEAAAAYAAAAFAAAAAAAAAD6CgAAQDgAADAqAAAQAAAAJgAAAAgAAAD//////////w=="/>
               </a:ext>
             </a:extLst>
           </p:cNvPicPr>
@@ -4998,7 +4985,7 @@
             <a:spLocks noGrp="1" noChangeArrowheads="1"/>
             <a:extLst>
               <a:ext uri="smNativeData">
-                <pr:smNativeData xmlns:pr="smNativeData" xmlns="smNativeData" val="SMDATA_15_JtjWYhMAAAAlAAAAZAAAAA0AAAAAkAAAAEgAAACQAAAASAAAAAAAAAABAAAAAAAAAAEAAABQAAAAAAAAAAAA4D8AAAAAAADgPwAAAAAAAOA/AAAAAAAA4D8AAAAAAADgPwAAAAAAAOA/AAAAAAAA4D8AAAAAAADgPwAAAAAAAOA/AAAAAAAA4D8CAAAAjAAAAAAAAAAAAAAAT4G9DP///wgAAAAAAAAAAAAAAAAAAAAAAAAAAAAAAAAAAAAAZAAAAAEAAABAAAAAAAAAAAAAAAAAAAAAAAAAAAAAAAAAAAAAAAAAAAAAAAAAAAAAAAAAAAAAAAAAAAAAAAAAAAAAAAAAAAAAAAAAAAAAAAAAAAAAAAAAAAAAAAAAAAAAFAAAADwAAAAAAAAAAAAAAAAAAAkUAAAAAQAAABQAAAAUAAAAFAAAAAEAAAAAAAAAZAAAAGQAAAAAAAAAZAAAAGQAAAAVAAAAYAAAAAAAAAAAAAAADwAAACADAAAAAAAAAAAAAAEAAACgMgAAVgcAAKr4//8BAAAAf39/AAEAAABkAAAAAAAAABQAAABAHwAAAAAAACYAAAAAAAAAwOD//wAAAAAmAAAAZAAAABYAAABMAAAAAAAAAAAAAAAEAAAAAAAAAAEAAADu7OEKAAAAACgAAAAoAAAAZAAAAGQAAAAAAAAAzMzMAAAAAABQAAAAUAAAAGQAAABkAAAAAAAAABcAAAAUAAAAAAAAAAAAAAD/fwAA/38AAAAAAAAJAAAABAAAANBO/zYeAAAAaAAAAAAAAAAAAAAAAAAAAAAAAAAAAAAAECcAABAnAAAAAAAAAAAAAAAAAAAAAAAAAAAAAAAAAAAAAAAAAAAAABQAAAAAAAAAwMD/AAAAAABkAAAAMgAAAAAAAABkAAAAAAAAAH9/fwAKAAAAIgAAABgAAAAAAAAAAAAAAAAAAAAAAAAAAAAAAAAAAAAkAAAAJAAAAAAAAAAHAAAAAAAAAAAAAAAAAAAAAAAAAAAAAAAAAAAAf39/ACUAAABYAAAAAAAAAAAAAAAAAAAAAAAAAAAAAAAAAAAAAAAAAAAAAAAAAAAAAAAAAAAAAAA/AAAAAAAAAKCGAQAAAAAAAAAAAAAAAAAMAAAAAQAAAAAAAAAAAAAAAAAAAB8AAABUAAAAT4G9Bf///wEAAAAAAAAAAAAAAAAAAAAAAAAAAAAAAAAAAAAAAAAAAAAAAAJ/f38A7uzhA8zMzADAwP8Af39/AAAAAAAAAAAAAAAAAAAAAAAAAAAAIQAAABgAAAAUAAAA0AIAALEBAABwNQAAuQgAABAAAAAmAAAACAAAAAAgAAAAAAAA"/>
+                <pr:smNativeData xmlns:pr="smNativeData" xmlns="smNativeData" val="SMDATA_15_iunWYhMAAAAlAAAAZAAAAA0AAAAAkAAAAEgAAACQAAAASAAAAAAAAAABAAAAAAAAAAEAAABQAAAAAAAAAAAA4D8AAAAAAADgPwAAAAAAAOA/AAAAAAAA4D8AAAAAAADgPwAAAAAAAOA/AAAAAAAA4D8AAAAAAADgPwAAAAAAAOA/AAAAAAAA4D8CAAAAjAAAAAAAAAAAAAAAT4G9DP///wgAAAAAAAAAAAAAAAAAAAAAAAAAAAAAAAAAAAAAZAAAAAEAAABAAAAAAAAAAAAAAAAAAAAAAAAAAAAAAAAAAAAAAAAAAAAAAAAAAAAAAAAAAAAAAAAAAAAAAAAAAAAAAAAAAAAAAAAAAAAAAAAAAAAAAAAAAAAAAAAAAAAAFAAAADwAAAAAAAAAAAAAAAAAAAkUAAAAAQAAABQAAAAUAAAAFAAAAAEAAAAAAAAAZAAAAGQAAAAAAAAAZAAAAGQAAAAVAAAAYAAAAAAAAAAAAAAADwAAACADAAAAAAAAAAAAAAEAAACgMgAAVgcAAKr4//8BAAAAf39/AAEAAABkAAAAAAAAABQAAABAHwAAAAAAACYAAAAAAAAAwOD//wAAAAAmAAAAZAAAABYAAABMAAAAAAAAAAAAAAAEAAAAAAAAAAEAAADu7OEKAAAAACgAAAAoAAAAZAAAAGQAAAAAAAAAzMzMAAAAAABQAAAAUAAAAGQAAABkAAAAAAAAABcAAAAUAAAAAAAAAAAAAAD/fwAA/38AAAAAAAAJAAAABAAAANBO/zYeAAAAaAAAAAAAAAAAAAAAAAAAAAAAAAAAAAAAECcAABAnAAAAAAAAAAAAAAAAAAAAAAAAAAAAAAAAAAAAAAAAAAAAABQAAAAAAAAAwMD/AAAAAABkAAAAMgAAAAAAAABkAAAAAAAAAH9/fwAKAAAAIgAAABgAAAAAAAAAAAAAAAAAAAAAAAAAAAAAAAAAAAAkAAAAJAAAAAAAAAAHAAAAAAAAAAAAAAAAAAAAAAAAAAAAAAAAAAAAf39/ACUAAABYAAAAAAAAAAAAAAAAAAAAAAAAAAAAAAAAAAAAAAAAAAAAAAAAAAAAAAAAAAAAAAA/AAAAAAAAAKCGAQAAAAAAAAAAAAAAAAAMAAAAAQAAAAAAAAAAAAAAAAAAAB8AAABUAAAAT4G9Bf///wEAAAAAAAAAAAAAAAAAAAAAAAAAAAAAAAAAAAAAAAAAAAAAAAJ/f38A7uzhA8zMzADAwP8Af39/AAAAAAAAAAAAAAAAAAAAAAAAAAAAIQAAABgAAAAUAAAA0AIAALEBAABwNQAAuQgAABAAAAAmAAAACAAAAAAgAAAAAAAA"/>
               </a:ext>
             </a:extLst>
           </p:cNvSpPr>
@@ -5038,7 +5025,7 @@
             <a:picLocks noChangeAspect="1"/>
             <a:extLst>
               <a:ext uri="smNativeData">
-                <pr:smNativeData xmlns:pr="smNativeData" xmlns="smNativeData" val="SMDATA_17_JtjWYhMAAAAlAAAAEQAAAC0AAAAAkAAAAEgAAACQAAAASAAAAAAAAAAAAAAAAAAAAAEAAABQAAAAAAAAAAAA4D8AAAAAAADgPwAAAAAAAOA/AAAAAAAA4D8AAAAAAADgPwAAAAAAAOA/AAAAAAAA4D8AAAAAAADgPwAAAAAAAOA/AAAAAAAA4D8CAAAAjAAAAAAAAAAAAAAAT4G9DP///wgAAAAAAAAAAAAAAAAAAAAAAAAAAAAAAAAAAAAAZAAAAAEAAABAAAAAAAAAAAAAAAAAAAAAAAAAAAAAAAAAAAAAAAAAAAAAAAAAAAAAAAAAAAAAAAAAAAAAAAAAAAAAAAAAAAAAAAAAAAAAAAAAAAAAAAAAAAAAAAAAAAAAFAAAADwAAAAAAAAAAAAAAAAAAAkUAAAAAQAAABQAAAAUAAAAFAAAAAEAAAAAAAAAZAAAAGQAAAAAAAAAZAAAAGQAAAAVAAAAYAAAAAAAAAAAAAAADwAAACADAAAAAAAAAAAAAAEAAACgMgAAVgcAAKr4//8BAAAAf39/AAEAAABkAAAAAAAAABQAAABAHwAAAAAAACYAAAAAAAAAwOD//wAAAAAmAAAAZAAAABYAAABMAAAAAAAAAAAAAAAEAAAAAAAAAAEAAADu7OEKAAAAACgAAAAoAAAAZAAAAGQAAAAAAAAAzMzMAAAAAABQAAAAUAAAAGQAAABkAAAAAAAAAAcAAAA4AAAAAAAAAAAAAAAAAAAA////AAAAAAAAAAAAAAAAAAAAAAAAAAAAAAAAAAAAAABkAAAAZAAAAAAAAAAjAAAABAAAAGQAAAAXAAAAFAAAAAAAAAAAAAAA/38AAP9/AAAAAAAACQAAAAQAAAAAAAAAHgAAAGgAAAAAAAAAAAAAAAAAAAAAAAAAAAAAABAnAAAQJwAAAAAAAAAAAAAAAAAAAAAAAAAAAAAAAAAAAAAAAAAAAAAUAAAAAAAAAMDA/wAAAAAAZAAAADIAAAAAAAAAZAAAAAAAAAB/f38ACgAAACIAAAAYAAAAAAAAAAAAAAAAAAAAAAAAAAAAAAAAAAAAJAAAACQAAAAAAAAABwAAAAAAAAAAAAAAAAAAAAAAAAAAAAAAAAAAAH9/fwAlAAAAWAAAAAAAAAAAAAAAAAAAAAAAAAAAAAAAAAAAAAAAAAAAAAAAAAAAAAAAAAAAAAAAPwAAAAAAAACghgEAAAAAAAAAAAAAAAAADAAAAAEAAAAAAAAAAAAAAAAAAAAfAAAAVAAAAE+BvQX///8BAAAAAAAAAAAAAAAAAAAAAAAAAAAAAAAAAAAAAAAAAAAAAAACf39/AO7s4QPMzMwAwMD/AH9/fwAAAAAAAAAAAAAAAAD///8AAAAAACEAAAAYAAAAFAAAAAAAAAACCwAAQDgAADAqAAAQAAAAJgAAAAgAAAD//////////w=="/>
+                <pr:smNativeData xmlns:pr="smNativeData" xmlns="smNativeData" val="SMDATA_17_iunWYhMAAAAlAAAAEQAAAC0AAAAAkAAAAEgAAACQAAAASAAAAAAAAAAAAAAAAAAAAAEAAABQAAAAAAAAAAAA4D8AAAAAAADgPwAAAAAAAOA/AAAAAAAA4D8AAAAAAADgPwAAAAAAAOA/AAAAAAAA4D8AAAAAAADgPwAAAAAAAOA/AAAAAAAA4D8CAAAAjAAAAAAAAAAAAAAAT4G9DP///wgAAAAAAAAAAAAAAAAAAAAAAAAAAAAAAAAAAAAAZAAAAAEAAABAAAAAAAAAAAAAAAAAAAAAAAAAAAAAAAAAAAAAAAAAAAAAAAAAAAAAAAAAAAAAAAAAAAAAAAAAAAAAAAAAAAAAAAAAAAAAAAAAAAAAAAAAAAAAAAAAAAAAFAAAADwAAAAAAAAAAAAAAAAAAAkUAAAAAQAAABQAAAAUAAAAFAAAAAEAAAAAAAAAZAAAAGQAAAAAAAAAZAAAAGQAAAAVAAAAYAAAAAAAAAAAAAAADwAAACADAAAAAAAAAAAAAAEAAACgMgAAVgcAAKr4//8BAAAAf39/AAEAAABkAAAAAAAAABQAAABAHwAAAAAAACYAAAAAAAAAwOD//wAAAAAmAAAAZAAAABYAAABMAAAAAAAAAAAAAAAEAAAAAAAAAAEAAADu7OEKAAAAACgAAAAoAAAAZAAAAGQAAAAAAAAAzMzMAAAAAABQAAAAUAAAAGQAAABkAAAAAAAAAAcAAAA4AAAAAAAAAAAAAAAAAAAA////AAAAAAAAAAAAAAAAAAAAAAAAAAAAAAAAAAAAAABkAAAAZAAAAAAAAAAjAAAABAAAAGQAAAAXAAAAFAAAAAAAAAAAAAAA/38AAP9/AAAAAAAACQAAAAQAAAAAAAAAHgAAAGgAAAAAAAAAAAAAAAAAAAAAAAAAAAAAABAnAAAQJwAAAAAAAAAAAAAAAAAAAAAAAAAAAAAAAAAAAAAAAAAAAAAUAAAAAAAAAMDA/wAAAAAAZAAAADIAAAAAAAAAZAAAAAAAAAB/f38ACgAAACIAAAAYAAAAAAAAAAAAAAAAAAAAAAAAAAAAAAAAAAAAJAAAACQAAAAAAAAABwAAAAAAAAAAAAAAAAAAAAAAAAAAAAAAAAAAAH9/fwAlAAAAWAAAAAAAAAAAAAAAAAAAAAAAAAAAAAAAAAAAAAAAAAAAAAAAAAAAAAAAAAAAAAAAPwAAAAAAAACghgEAAAAAAAAAAAAAAAAADAAAAAEAAAAAAAAAAAAAAAAAAAAfAAAAVAAAAE+BvQX///8BAAAAAAAAAAAAAAAAAAAAAAAAAAAAAAAAAAAAAAAAAAAAAAACf39/AO7s4QPMzMwAwMD/AH9/fwAAAAAAAAAAAAAAAAD///8AAAAAACEAAAAYAAAAFAAAAAAAAAACCwAAQDgAADAqAAAQAAAAJgAAAAgAAAD//////////w=="/>
               </a:ext>
             </a:extLst>
           </p:cNvPicPr>
@@ -5104,7 +5091,7 @@
             <a:spLocks noGrp="1" noChangeArrowheads="1"/>
             <a:extLst>
               <a:ext uri="smNativeData">
-                <pr:smNativeData xmlns:pr="smNativeData" xmlns="smNativeData" val="SMDATA_15_JtjWYhMAAAAlAAAAZAAAAA0AAAAAkAAAAEgAAACQAAAASAAAAAAAAAABAAAAAAAAAAEAAABQAAAAAAAAAAAA4D8AAAAAAADgPwAAAAAAAOA/AAAAAAAA4D8AAAAAAADgPwAAAAAAAOA/AAAAAAAA4D8AAAAAAADgPwAAAAAAAOA/AAAAAAAA4D8CAAAAjAAAAAAAAAAAAAAAT4G9DP///wgAAAAAAAAAAAAAAAAAAAAAAAAAAAAAAAAAAAAAZAAAAAEAAABAAAAAAAAAAAAAAAAAAAAAAAAAAAAAAAAAAAAAAAAAAAAAAAAAAAAAAAAAAAAAAAAAAAAAAAAAAAAAAAAAAAAAAAAAAAAAAAAAAAAAAAAAAAAAAAAAAAAAFAAAADwAAAAAAAAAAAAAAAAAAAkUAAAAAQAAABQAAAAUAAAAFAAAAAEAAAAAAAAAZAAAAGQAAAAAAAAAZAAAAGQAAAAVAAAAYAAAAAAAAAAAAAAADwAAACADAAAAAAAAAAAAAAEAAACgMgAAVgcAAKr4//8BAAAAf39/AAEAAABkAAAAAAAAABQAAABAHwAAAAAAACYAAAAAAAAAwOD//wAAAAAmAAAAZAAAABYAAABMAAAAAAAAAAAAAAAEAAAAAAAAAAEAAADu7OEKAAAAACgAAAAoAAAAZAAAAGQAAAAAAAAAzMzMAAAAAABQAAAAUAAAAGQAAABkAAAAAAAAABcAAAAUAAAAAAAAAAAAAAD/fwAA/38AAAAAAAAJAAAABAAAAACAAIAeAAAAaAAAAAAAAAAAAAAAAAAAAAAAAAAAAAAAECcAABAnAAAAAAAAAAAAAAAAAAAAAAAAAAAAAAAAAAAAAAAAAAAAABQAAAAAAAAAwMD/AAAAAABkAAAAMgAAAAAAAABkAAAAAAAAAH9/fwAKAAAAIgAAABgAAAAAAAAAAAAAAAAAAAAAAAAAAAAAAAAAAAAkAAAAJAAAAAAAAAAHAAAAAAAAAAAAAAAAAAAAAAAAAAAAAAAAAAAAf39/ACUAAABYAAAAAAAAAAAAAAAAAAAAAAAAAAAAAAAAAAAAAAAAAAAAAAAAAAAAAAAAAAAAAAA/AAAAAAAAAKCGAQAAAAAAAAAAAAAAAAAMAAAAAQAAAAAAAAAAAAAAAAAAAB8AAABUAAAAT4G9Bf///wEAAAAAAAAAAAAAAAAAAAAAAAAAAAAAAAAAAAAAAAAAAAAAAAJ/f38A7uzhA8zMzADAwP8Af39/AAAAAAAAAAAAAAAAAAAAAAAAAAAAIQAAABgAAAAUAAAA0AIAAMEAAABwNQAAyQcAABAAAAAmAAAACAAAAAEAAAAAAAAA"/>
+                <pr:smNativeData xmlns:pr="smNativeData" xmlns="smNativeData" val="SMDATA_15_iunWYhMAAAAlAAAAZAAAAA0AAAAAkAAAAEgAAACQAAAASAAAAAAAAAABAAAAAAAAAAEAAABQAAAAAAAAAAAA4D8AAAAAAADgPwAAAAAAAOA/AAAAAAAA4D8AAAAAAADgPwAAAAAAAOA/AAAAAAAA4D8AAAAAAADgPwAAAAAAAOA/AAAAAAAA4D8CAAAAjAAAAAAAAAAAAAAAT4G9DP///wgAAAAAAAAAAAAAAAAAAAAAAAAAAAAAAAAAAAAAZAAAAAEAAABAAAAAAAAAAAAAAAAAAAAAAAAAAAAAAAAAAAAAAAAAAAAAAAAAAAAAAAAAAAAAAAAAAAAAAAAAAAAAAAAAAAAAAAAAAAAAAAAAAAAAAAAAAAAAAAAAAAAAFAAAADwAAAAAAAAAAAAAAAAAAAkUAAAAAQAAABQAAAAUAAAAFAAAAAEAAAAAAAAAZAAAAGQAAAAAAAAAZAAAAGQAAAAVAAAAYAAAAAAAAAAAAAAADwAAACADAAAAAAAAAAAAAAEAAACgMgAAVgcAAKr4//8BAAAAf39/AAEAAABkAAAAAAAAABQAAABAHwAAAAAAACYAAAAAAAAAwOD//wAAAAAmAAAAZAAAABYAAABMAAAAAAAAAAAAAAAEAAAAAAAAAAEAAADu7OEKAAAAACgAAAAoAAAAZAAAAGQAAAAAAAAAzMzMAAAAAABQAAAAUAAAAGQAAABkAAAAAAAAABcAAAAUAAAAAAAAAAAAAAD/fwAA/38AAAAAAAAJAAAABAAAAACAAIAeAAAAaAAAAAAAAAAAAAAAAAAAAAAAAAAAAAAAECcAABAnAAAAAAAAAAAAAAAAAAAAAAAAAAAAAAAAAAAAAAAAAAAAABQAAAAAAAAAwMD/AAAAAABkAAAAMgAAAAAAAABkAAAAAAAAAH9/fwAKAAAAIgAAABgAAAAAAAAAAAAAAAAAAAAAAAAAAAAAAAAAAAAkAAAAJAAAAAAAAAAHAAAAAAAAAAAAAAAAAAAAAAAAAAAAAAAAAAAAf39/ACUAAABYAAAAAAAAAAAAAAAAAAAAAAAAAAAAAAAAAAAAAAAAAAAAAAAAAAAAAAAAAAAAAAA/AAAAAAAAAKCGAQAAAAAAAAAAAAAAAAAMAAAAAQAAAAAAAAAAAAAAAAAAAB8AAABUAAAAT4G9Bf///wEAAAAAAAAAAAAAAAAAAAAAAAAAAAAAAAAAAAAAAAAAAAAAAAJ/f38A7uzhA8zMzADAwP8Af39/AAAAAAAAAAAAAAAAAAAAAAAAAAAAIQAAABgAAAAUAAAA0AIAAMEAAABwNQAAyQcAABAAAAAmAAAACAAAAAEAAAAAAAAA"/>
               </a:ext>
             </a:extLst>
           </p:cNvSpPr>
@@ -5138,7 +5125,7 @@
             <a:spLocks noGrp="1" noChangeArrowheads="1"/>
             <a:extLst>
               <a:ext uri="smNativeData">
-                <pr:smNativeData xmlns:pr="smNativeData" xmlns="smNativeData" val="SMDATA_15_JtjWYhMAAAAlAAAAZAAAAA0AAAAAkAAAAEgAAACQAAAASAAAAAAAAAAAAAAAAAAAAAEAAABQAAAAAAAAAAAA4D8AAAAAAADgPwAAAAAAAOA/AAAAAAAA4D8AAAAAAADgPwAAAAAAAOA/AAAAAAAA4D8AAAAAAADgPwAAAAAAAOA/AAAAAAAA4D8CAAAAjAAAAAAAAAAAAAAAT4G9DP///wgAAAAAAAAAAAAAAAAAAAAAAAAAAAAAAAAAAAAAZAAAAAEAAABAAAAAAAAAAAAAAAAAAAAAAAAAAAAAAAAAAAAAAAAAAAAAAAAAAAAAAAAAAAAAAAAAAAAAAAAAAAAAAAAAAAAAAAAAAAAAAAAAAAAAAAAAAAAAAAAAAAAAFAAAADwAAAAAAAAAAAAAAAAAAAkUAAAAAQAAABQAAAAUAAAAFAAAAAEAAAAAAAAAZAAAAGQAAAAAAAAAZAAAAGQAAAAVAAAAYAAAAAAAAAAAAAAADwAAACADAAAAAAAAAAAAAAEAAACgMgAAVgcAAKr4//8BAAAAf39/AAEAAABkAAAAAAAAABQAAABAHwAAAAAAACYAAAAAAAAAwOD//wAAAAAmAAAAZAAAABYAAABMAAAAAAAAAAAAAAAEAAAAAAAAAAEAAADu7OEKAAAAACgAAAAoAAAAZAAAAGQAAAAAAAAAzMzMAAAAAABQAAAAUAAAAGQAAABkAAAAAAAAABcAAAAUAAAAAAAAAAAAAAD/fwAA/38AAAAAAAAJAAAABAAAAGB9rkUeAAAAaAAAAAAAAAAAAAAAAAAAAAAAAAAAAAAAECcAABAnAAAAAAAAAAAAAAAAAAAAAAAAAAAAAAAAAAAAAAAAAAAAABQAAAAAAAAAwMD/AAAAAABkAAAAMgAAAAAAAABkAAAAAAAAAH9/fwAKAAAAIgAAABgAAAAAAAAAAAAAAAAAAAAAAAAAAAAAAAAAAAAkAAAAJAAAAAAAAAAHAAAAAAAAAAAAAAAAAAAAAAAAAAAAAAAAAAAAf39/ACUAAABYAAAAAAAAAAAAAAAAAAAAAAAAAAAAAAAAAAAAAAAAAAAAAAAAAAAAAAAAAAAAAAA/AAAAAAAAAKCGAQAAAAAAAAAAAAAAAAAMAAAAAQAAAAAAAAAAAAAAAAAAAB8AAABUAAAAT4G9Bf///wEAAAAAAAAAAAAAAAAAAAAAAAAAAAAAAAAAAAAAAAAAAAAAAAJ/f38A7uzhA8zMzADAwP8Af39/AAAAAAAAAAAAAAAAAAAAAAAAAAAAIQAAABgAAAAUAAAA0AIAALgGAABwNQAAcCQAABAAAAAmAAAACAAAAAEgAAAAAAAA"/>
+                <pr:smNativeData xmlns:pr="smNativeData" xmlns="smNativeData" val="SMDATA_15_iunWYhMAAAAlAAAAZAAAAA0AAAAAkAAAAEgAAACQAAAASAAAAAAAAAAAAAAAAAAAAAEAAABQAAAAAAAAAAAA4D8AAAAAAADgPwAAAAAAAOA/AAAAAAAA4D8AAAAAAADgPwAAAAAAAOA/AAAAAAAA4D8AAAAAAADgPwAAAAAAAOA/AAAAAAAA4D8CAAAAjAAAAAAAAAAAAAAAT4G9DP///wgAAAAAAAAAAAAAAAAAAAAAAAAAAAAAAAAAAAAAZAAAAAEAAABAAAAAAAAAAAAAAAAAAAAAAAAAAAAAAAAAAAAAAAAAAAAAAAAAAAAAAAAAAAAAAAAAAAAAAAAAAAAAAAAAAAAAAAAAAAAAAAAAAAAAAAAAAAAAAAAAAAAAFAAAADwAAAAAAAAAAAAAAAAAAAkUAAAAAQAAABQAAAAUAAAAFAAAAAEAAAAAAAAAZAAAAGQAAAAAAAAAZAAAAGQAAAAVAAAAYAAAAAAAAAAAAAAADwAAACADAAAAAAAAAAAAAAEAAACgMgAAVgcAAKr4//8BAAAAf39/AAEAAABkAAAAAAAAABQAAABAHwAAAAAAACYAAAAAAAAAwOD//wAAAAAmAAAAZAAAABYAAABMAAAAAAAAAAAAAAAEAAAAAAAAAAEAAADu7OEKAAAAACgAAAAoAAAAZAAAAGQAAAAAAAAAzMzMAAAAAABQAAAAUAAAAGQAAABkAAAAAAAAABcAAAAUAAAAAAAAAAAAAAD/fwAA/38AAAAAAAAJAAAABAAAAGB9rkUeAAAAaAAAAAAAAAAAAAAAAAAAAAAAAAAAAAAAECcAABAnAAAAAAAAAAAAAAAAAAAAAAAAAAAAAAAAAAAAAAAAAAAAABQAAAAAAAAAwMD/AAAAAABkAAAAMgAAAAAAAABkAAAAAAAAAH9/fwAKAAAAIgAAABgAAAAAAAAAAAAAAAAAAAAAAAAAAAAAAAAAAAAkAAAAJAAAAAAAAAAHAAAAAAAAAAAAAAAAAAAAAAAAAAAAAAAAAAAAf39/ACUAAABYAAAAAAAAAAAAAAAAAAAAAAAAAAAAAAAAAAAAAAAAAAAAAAAAAAAAAAAAAAAAAAA/AAAAAAAAAKCGAQAAAAAAAAAAAAAAAAAMAAAAAQAAAAAAAAAAAAAAAAAAAB8AAABUAAAAT4G9Bf///wEAAAAAAAAAAAAAAAAAAAAAAAAAAAAAAAAAAAAAAAAAAAAAAAJ/f38A7uzhA8zMzADAwP8Af39/AAAAAAAAAAAAAAAAAAAAAAAAAAAAIQAAABgAAAAUAAAA0AIAALgGAABwNQAAcCQAABAAAAAmAAAACAAAAAEgAAAAAAAA"/>
               </a:ext>
             </a:extLst>
           </p:cNvSpPr>
@@ -5302,7 +5289,7 @@
             <a:picLocks noChangeAspect="1"/>
             <a:extLst>
               <a:ext uri="smNativeData">
-                <pr:smNativeData xmlns:pr="smNativeData" xmlns="smNativeData" val="SMDATA_17_JtjWYhMAAAAlAAAAEQAAAC0AAAAAkAAAAEgAAACQAAAASAAAAAAAAAAAAAAAAAAAAAEAAABQAAAAAAAAAAAA4D8AAAAAAADgPwAAAAAAAOA/AAAAAAAA4D8AAAAAAADgPwAAAAAAAOA/AAAAAAAA4D8AAAAAAADgPwAAAAAAAOA/AAAAAAAA4D8CAAAAjAAAAAAAAAAAAAAAT4G9DP///wgAAAAAAAAAAAAAAAAAAAAAAAAAAAAAAAAAAAAAZAAAAAEAAABAAAAAAAAAAAAAAAAAAAAAAAAAAAAAAAAAAAAAAAAAAAAAAAAAAAAAAAAAAAAAAAAAAAAAAAAAAAAAAAAAAAAAAAAAAAAAAAAAAAAAAAAAAAAAAAAAAAAAFAAAADwAAAAAAAAAAAAAAAAAAAkUAAAAAQAAABQAAAAUAAAAFAAAAAEAAAAAAAAAZAAAAGQAAAAAAAAAZAAAAGQAAAAVAAAAYAAAAAAAAAAAAAAADwAAACADAAAAAAAAAAAAAAEAAACgMgAAVgcAAKr4//8BAAAAf39/AAEAAABkAAAAAAAAABQAAABAHwAAAAAAACYAAAAAAAAAwOD//wAAAAAmAAAAZAAAABYAAABMAAAAAAAAAAAAAAAEAAAAAAAAAAEAAADu7OEKAAAAACgAAAAoAAAAZAAAAGQAAAAAAAAAzMzMAAAAAABQAAAAUAAAAGQAAABkAAAAAAAAAAcAAAA4AAAAAAAAAAAAAAAAAAAA////AAAAAAAAAAAAAAAAAAAAAAAAAAAAAAAAAAAAAABkAAAAZAAAAAAAAAAjAAAABAAAAGQAAAAXAAAAFAAAAAAAAAAAAAAA/38AAP9/AAAAAAAACQAAAAQAAAAAAAAAHgAAAGgAAAAAAAAAAAAAAAAAAAAAAAAAAAAAABAnAAAQJwAAAAAAAAAAAAAAAAAAAAAAAAAAAAAAAAAAAAAAAAAAAAAUAAAAAAAAAMDA/wAAAAAAZAAAADIAAAAAAAAAZAAAAAAAAAB/f38ACgAAACIAAAAYAAAAAAAAAAAAAAAAAAAAAAAAAAAAAAAAAAAAJAAAACQAAAAAAAAABwAAAAAAAAAAAAAAAAAAAAAAAAAAAAAAAAAAAH9/fwAlAAAAWAAAAAAAAAAAAAAAAAAAAAAAAAAAAAAAAAAAAAAAAAAAAAAAAAAAAAAAAAAAAAAAPwAAAAAAAACghgEAAAAAAAAAAAAAAAAADAAAAAEAAAAAAAAAAAAAAAAAAAAfAAAAVAAAAE+BvQX///8BAAAAAAAAAAAAAAAAAAAAAAAAAAAAAAAAAAAAAAAAAAAAAAACf39/AO7s4QPMzMwAwMD/AH9/fwAAAAAAAAAAAAAAAAD///8AAAAAACEAAAAYAAAAFAAAAMYWAADIFAAAeiEAAFAeAAAQAAAAJgAAAAgAAAD//////////w=="/>
+                <pr:smNativeData xmlns:pr="smNativeData" xmlns="smNativeData" val="SMDATA_17_iunWYhMAAAAlAAAAEQAAAC0AAAAAkAAAAEgAAACQAAAASAAAAAAAAAAAAAAAAAAAAAEAAABQAAAAAAAAAAAA4D8AAAAAAADgPwAAAAAAAOA/AAAAAAAA4D8AAAAAAADgPwAAAAAAAOA/AAAAAAAA4D8AAAAAAADgPwAAAAAAAOA/AAAAAAAA4D8CAAAAjAAAAAAAAAAAAAAAT4G9DP///wgAAAAAAAAAAAAAAAAAAAAAAAAAAAAAAAAAAAAAZAAAAAEAAABAAAAAAAAAAAAAAAAAAAAAAAAAAAAAAAAAAAAAAAAAAAAAAAAAAAAAAAAAAAAAAAAAAAAAAAAAAAAAAAAAAAAAAAAAAAAAAAAAAAAAAAAAAAAAAAAAAAAAFAAAADwAAAAAAAAAAAAAAAAAAAkUAAAAAQAAABQAAAAUAAAAFAAAAAEAAAAAAAAAZAAAAGQAAAAAAAAAZAAAAGQAAAAVAAAAYAAAAAAAAAAAAAAADwAAACADAAAAAAAAAAAAAAEAAACgMgAAVgcAAKr4//8BAAAAf39/AAEAAABkAAAAAAAAABQAAABAHwAAAAAAACYAAAAAAAAAwOD//wAAAAAmAAAAZAAAABYAAABMAAAAAAAAAAAAAAAEAAAAAAAAAAEAAADu7OEKAAAAACgAAAAoAAAAZAAAAGQAAAAAAAAAzMzMAAAAAABQAAAAUAAAAGQAAABkAAAAAAAAAAcAAAA4AAAAAAAAAAAAAAAAAAAA////AAAAAAAAAAAAAAAAAAAAAAAAAAAAAAAAAAAAAABkAAAAZAAAAAAAAAAjAAAABAAAAGQAAAAXAAAAFAAAAAAAAAAAAAAA/38AAP9/AAAAAAAACQAAAAQAAAAAAAAAHgAAAGgAAAAAAAAAAAAAAAAAAAAAAAAAAAAAABAnAAAQJwAAAAAAAAAAAAAAAAAAAAAAAAAAAAAAAAAAAAAAAAAAAAAUAAAAAAAAAMDA/wAAAAAAZAAAADIAAAAAAAAAZAAAAAAAAAB/f38ACgAAACIAAAAYAAAAAAAAAAAAAAAAAAAAAAAAAAAAAAAAAAAAJAAAACQAAAAAAAAABwAAAAAAAAAAAAAAAAAAAAAAAAAAAAAAAAAAAH9/fwAlAAAAWAAAAAAAAAAAAAAAAAAAAAAAAAAAAAAAAAAAAAAAAAAAAAAAAAAAAAAAAAAAAAAAPwAAAAAAAACghgEAAAAAAAAAAAAAAAAADAAAAAEAAAAAAAAAAAAAAAAAAAAfAAAAVAAAAE+BvQX///8BAAAAAAAAAAAAAAAAAAAAAAAAAAAAAAAAAAAAAAAAAAAAAAACf39/AO7s4QPMzMwAwMD/AH9/fwAAAAAAAAAAAAAAAAD///8AAAAAACEAAAAYAAAAFAAAAMYWAADIFAAAeiEAAFAeAAAQAAAAJgAAAAgAAAD//////////w=="/>
               </a:ext>
             </a:extLst>
           </p:cNvPicPr>
@@ -5336,7 +5323,7 @@
             <a:picLocks noChangeAspect="1"/>
             <a:extLst>
               <a:ext uri="smNativeData">
-                <pr:smNativeData xmlns:pr="smNativeData" xmlns="smNativeData" val="SMDATA_17_JtjWYhMAAAAlAAAAEQAAAC0AAAAAkAAAAEgAAACQAAAASAAAAAAAAAAAAAAAAAAAAAEAAABQAAAAAAAAAAAA4D8AAAAAAADgPwAAAAAAAOA/AAAAAAAA4D8AAAAAAADgPwAAAAAAAOA/AAAAAAAA4D8AAAAAAADgPwAAAAAAAOA/AAAAAAAA4D8CAAAAjAAAAAAAAAAAAAAAT4G9DP///wgAAAAAAAAAAAAAAAAAAAAAAAAAAAAAAAAAAAAAZAAAAAEAAABAAAAAAAAAAAAAAAAAAAAAAAAAAAAAAAAAAAAAAAAAAAAAAAAAAAAAAAAAAAAAAAAAAAAAAAAAAAAAAAAAAAAAAAAAAAAAAAAAAAAAAAAAAAAAAAAAAAAAFAAAADwAAAAAAAAAAAAAAAAAAAkUAAAAAQAAABQAAAAUAAAAFAAAAAEAAAAAAAAAZAAAAGQAAAAAAAAAZAAAAGQAAAAVAAAAYAAAAAAAAAAAAAAADwAAACADAAAAAAAAAAAAAAEAAACgMgAAVgcAAKr4//8BAAAAf39/AAEAAABkAAAAAAAAABQAAABAHwAAAAAAACYAAAAAAAAAwOD//wAAAAAmAAAAZAAAABYAAABMAAAAAAAAAAAAAAAEAAAAAAAAAAEAAADu7OEKAAAAACgAAAAoAAAAZAAAAGQAAAAAAAAAzMzMAAAAAABQAAAAUAAAAGQAAABkAAAAAAAAAAcAAAA4AAAAAAAAAAAAAAAAAAAA////AAAAAAAAAAAAAAAAAAAAAAAAAAAAAAAAAAAAAABkAAAAZAAAAAAAAAAjAAAABAAAAGQAAAAXAAAAFAAAAAAAAAAAAAAA/38AAP9/AAAAAAAACQAAAAQAAAAAAAAAHgAAAGgAAAAAAAAAAAAAAAAAAAAAAAAAAAAAABAnAAAQJwAAAAAAAAAAAAAAAAAAAAAAAAAAAAAAAAAAAAAAAAAAAAAUAAAAAAAAAMDA/wAAAAAAZAAAADIAAAAAAAAAZAAAAAAAAAB/f38ACgAAACIAAAAYAAAAAAAAAAAAAAAAAAAAAAAAAAAAAAAAAAAAJAAAACQAAAAAAAAABwAAAAAAAAAAAAAAAAAAAAAAAAAAAAAAAAAAAH9/fwAlAAAAWAAAAAAAAAAAAAAAAAAAAAAAAAAAAAAAAAAAAAAAAAAAAAAAAAAAAAAAAAAAAAAAPwAAAAAAAACghgEAAAAAAAAAAAAAAAAADAAAAAEAAAAAAAAAAAAAAAAAAAAfAAAAVAAAAE+BvQX///8BAAAAAAAAAAAAAAAAAAAAAAAAAAAAAAAAAAAAAAAAAAAAAAACf39/AO7s4QPMzMwAwMD/AH9/fwAAAAAAAAAAAAAAAAD///8AAAAAACEAAAAYAAAAFAAAAOMBAAD2IAAAQDgAADAqAAAQAAAAJgAAAAgAAAD//////////w=="/>
+                <pr:smNativeData xmlns:pr="smNativeData" xmlns="smNativeData" val="SMDATA_17_iunWYhMAAAAlAAAAEQAAAC0AAAAAkAAAAEgAAACQAAAASAAAAAAAAAAAAAAAAAAAAAEAAABQAAAAAAAAAAAA4D8AAAAAAADgPwAAAAAAAOA/AAAAAAAA4D8AAAAAAADgPwAAAAAAAOA/AAAAAAAA4D8AAAAAAADgPwAAAAAAAOA/AAAAAAAA4D8CAAAAjAAAAAAAAAAAAAAAT4G9DP///wgAAAAAAAAAAAAAAAAAAAAAAAAAAAAAAAAAAAAAZAAAAAEAAABAAAAAAAAAAAAAAAAAAAAAAAAAAAAAAAAAAAAAAAAAAAAAAAAAAAAAAAAAAAAAAAAAAAAAAAAAAAAAAAAAAAAAAAAAAAAAAAAAAAAAAAAAAAAAAAAAAAAAFAAAADwAAAAAAAAAAAAAAAAAAAkUAAAAAQAAABQAAAAUAAAAFAAAAAEAAAAAAAAAZAAAAGQAAAAAAAAAZAAAAGQAAAAVAAAAYAAAAAAAAAAAAAAADwAAACADAAAAAAAAAAAAAAEAAACgMgAAVgcAAKr4//8BAAAAf39/AAEAAABkAAAAAAAAABQAAABAHwAAAAAAACYAAAAAAAAAwOD//wAAAAAmAAAAZAAAABYAAABMAAAAAAAAAAAAAAAEAAAAAAAAAAEAAADu7OEKAAAAACgAAAAoAAAAZAAAAGQAAAAAAAAAzMzMAAAAAABQAAAAUAAAAGQAAABkAAAAAAAAAAcAAAA4AAAAAAAAAAAAAAAAAAAA////AAAAAAAAAAAAAAAAAAAAAAAAAAAAAAAAAAAAAABkAAAAZAAAAAAAAAAjAAAABAAAAGQAAAAXAAAAFAAAAAAAAAAAAAAA/38AAP9/AAAAAAAACQAAAAQAAAAAAAAAHgAAAGgAAAAAAAAAAAAAAAAAAAAAAAAAAAAAABAnAAAQJwAAAAAAAAAAAAAAAAAAAAAAAAAAAAAAAAAAAAAAAAAAAAAUAAAAAAAAAMDA/wAAAAAAZAAAADIAAAAAAAAAZAAAAAAAAAB/f38ACgAAACIAAAAYAAAAAAAAAAAAAAAAAAAAAAAAAAAAAAAAAAAAJAAAACQAAAAAAAAABwAAAAAAAAAAAAAAAAAAAAAAAAAAAAAAAAAAAH9/fwAlAAAAWAAAAAAAAAAAAAAAAAAAAAAAAAAAAAAAAAAAAAAAAAAAAAAAAAAAAAAAAAAAAAAAPwAAAAAAAACghgEAAAAAAAAAAAAAAAAADAAAAAEAAAAAAAAAAAAAAAAAAAAfAAAAVAAAAE+BvQX///8BAAAAAAAAAAAAAAAAAAAAAAAAAAAAAAAAAAAAAAAAAAAAAAACf39/AO7s4QPMzMwAwMD/AH9/fwAAAAAAAAAAAAAAAAD///8AAAAAACEAAAAYAAAAFAAAAOMBAAD2IAAAQDgAADAqAAAQAAAAJgAAAAgAAAD//////////w=="/>
               </a:ext>
             </a:extLst>
           </p:cNvPicPr>
@@ -5402,7 +5389,7 @@
             <a:picLocks noChangeAspect="1"/>
             <a:extLst>
               <a:ext uri="smNativeData">
-                <pr:smNativeData xmlns:pr="smNativeData" xmlns="smNativeData" val="SMDATA_17_JtjWYhMAAAAlAAAAEQAAAC0AAAAAkAAAAEgAAACQAAAASAAAAAAAAAAAAAAAAAAAAAEAAABQAAAAAAAAAAAA4D8AAAAAAADgPwAAAAAAAOA/AAAAAAAA4D8AAAAAAADgPwAAAAAAAOA/AAAAAAAA4D8AAAAAAADgPwAAAAAAAOA/AAAAAAAA4D8CAAAAjAAAAAAAAAAAAAAAT4G9DP///wgAAAAAAAAAAAAAAAAAAAAAAAAAAAAAAAAAAAAAZAAAAAEAAABAAAAAAAAAAAAAAAAAAAAAAAAAAAAAAAAAAAAAAAAAAAAAAAAAAAAAAAAAAAAAAAAAAAAAAAAAAAAAAAAAAAAAAAAAAAAAAAAAAAAAAAAAAAAAAAAAAAAAFAAAADwAAAAAAAAAAAAAAAAAAAkUAAAAAQAAABQAAAAUAAAAFAAAAAEAAAAAAAAAZAAAAGQAAAAAAAAAZAAAAGQAAAAVAAAAYAAAAAAAAAAAAAAADwAAACADAAAAAAAAAAAAAAEAAACgMgAAVgcAAKr4//8BAAAAf39/AAEAAABkAAAAAAAAABQAAABAHwAAAAAAACYAAAAAAAAAwOD//wAAAAAmAAAAZAAAABYAAABMAAAAAAAAAAAAAAAEAAAAAAAAAAEAAADu7OEKAAAAACgAAAAoAAAAZAAAAGQAAAAAAAAAzMzMAAAAAABQAAAAUAAAAGQAAABkAAAAAAAAAAcAAAA4AAAAAAAAAAAAAAAAAAAA////AAAAAAAAAAAAAAAAAAAAAAAAAAAAAAAAAAAAAABkAAAAZAAAAAAAAAAjAAAABAAAAGQAAAAXAAAAFAAAAAAAAAAAAAAA/38AAP9/AAAAAAAACQAAAAQAAAD/3w3sHgAAAGgAAAAAAAAAAAAAAAAAAAAAAAAAAAAAABAnAAAQJwAAAAAAAAAAAAAAAAAAAAAAAAAAAAAAAAAAAAAAAAAAAAAUAAAAAAAAAMDA/wAAAAAAZAAAADIAAAAAAAAAZAAAAAAAAAB/f38ACgAAACIAAAAYAAAAAAAAAAAAAAAAAAAAAAAAAAAAAAAAAAAAJAAAACQAAAAAAAAABwAAAAAAAAAAAAAAAAAAAAAAAAAAAAAAAAAAAH9/fwAlAAAAWAAAAAAAAAAAAAAAAAAAAAAAAAAAAAAAAAAAAAAAAAAAAAAAAAAAAAAAAAAAAAAAPwAAAAAAAACghgEAAAAAAAAAAAAAAAAADAAAAAEAAAAAAAAAAAAAAAAAAAAfAAAAVAAAAE+BvQX///8BAAAAAAAAAAAAAAAAAAAAAAAAAAAAAAAAAAAAAAAAAAAAAAACf39/AO7s4QPMzMwAwMD/AH9/fwAAAAAAAAAAAAAAAAD///8AAAAAACEAAAAYAAAAFAAAAIsBAABfBAAAQDgAAJITAAAQAAAAJgAAAAgAAAD//////////w=="/>
+                <pr:smNativeData xmlns:pr="smNativeData" xmlns="smNativeData" val="SMDATA_17_iunWYhMAAAAlAAAAEQAAAC0AAAAAkAAAAEgAAACQAAAASAAAAAAAAAAAAAAAAAAAAAEAAABQAAAAAAAAAAAA4D8AAAAAAADgPwAAAAAAAOA/AAAAAAAA4D8AAAAAAADgPwAAAAAAAOA/AAAAAAAA4D8AAAAAAADgPwAAAAAAAOA/AAAAAAAA4D8CAAAAjAAAAAAAAAAAAAAAT4G9DP///wgAAAAAAAAAAAAAAAAAAAAAAAAAAAAAAAAAAAAAZAAAAAEAAABAAAAAAAAAAAAAAAAAAAAAAAAAAAAAAAAAAAAAAAAAAAAAAAAAAAAAAAAAAAAAAAAAAAAAAAAAAAAAAAAAAAAAAAAAAAAAAAAAAAAAAAAAAAAAAAAAAAAAFAAAADwAAAAAAAAAAAAAAAAAAAkUAAAAAQAAABQAAAAUAAAAFAAAAAEAAAAAAAAAZAAAAGQAAAAAAAAAZAAAAGQAAAAVAAAAYAAAAAAAAAAAAAAADwAAACADAAAAAAAAAAAAAAEAAACgMgAAVgcAAKr4//8BAAAAf39/AAEAAABkAAAAAAAAABQAAABAHwAAAAAAACYAAAAAAAAAwOD//wAAAAAmAAAAZAAAABYAAABMAAAAAAAAAAAAAAAEAAAAAAAAAAEAAADu7OEKAAAAACgAAAAoAAAAZAAAAGQAAAAAAAAAzMzMAAAAAABQAAAAUAAAAGQAAABkAAAAAAAAAAcAAAA4AAAAAAAAAAAAAAAAAAAA////AAAAAAAAAAAAAAAAAAAAAAAAAAAAAAAAAAAAAABkAAAAZAAAAAAAAAAjAAAABAAAAGQAAAAXAAAAFAAAAAAAAAAAAAAA/38AAP9/AAAAAAAACQAAAAQAAAD/3w3sHgAAAGgAAAAAAAAAAAAAAAAAAAAAAAAAAAAAABAnAAAQJwAAAAAAAAAAAAAAAAAAAAAAAAAAAAAAAAAAAAAAAAAAAAAUAAAAAAAAAMDA/wAAAAAAZAAAADIAAAAAAAAAZAAAAAAAAAB/f38ACgAAACIAAAAYAAAAAAAAAAAAAAAAAAAAAAAAAAAAAAAAAAAAJAAAACQAAAAAAAAABwAAAAAAAAAAAAAAAAAAAAAAAAAAAAAAAAAAAH9/fwAlAAAAWAAAAAAAAAAAAAAAAAAAAAAAAAAAAAAAAAAAAAAAAAAAAAAAAAAAAAAAAAAAAAAAPwAAAAAAAACghgEAAAAAAAAAAAAAAAAADAAAAAEAAAAAAAAAAAAAAAAAAAAfAAAAVAAAAE+BvQX///8BAAAAAAAAAAAAAAAAAAAAAAAAAAAAAAAAAAAAAAAAAAAAAAACf39/AO7s4QPMzMwAwMD/AH9/fwAAAAAAAAAAAAAAAAD///8AAAAAACEAAAAYAAAAFAAAAIsBAABfBAAAQDgAAJITAAAQAAAAJgAAAAgAAAD//////////w=="/>
               </a:ext>
             </a:extLst>
           </p:cNvPicPr>
@@ -5436,7 +5423,7 @@
             <a:spLocks noGrp="1" noChangeArrowheads="1"/>
             <a:extLst>
               <a:ext uri="smNativeData">
-                <pr:smNativeData xmlns:pr="smNativeData" xmlns="smNativeData" val="SMDATA_15_JtjWYhMAAAAlAAAAZAAAAA0AAAAAkAAAAEgAAACQAAAASAAAAAAAAAABAAAAAAAAAAEAAABQAAAAAAAAAAAA4D8AAAAAAADgPwAAAAAAAOA/AAAAAAAA4D8AAAAAAADgPwAAAAAAAOA/AAAAAAAA4D8AAAAAAADgPwAAAAAAAOA/AAAAAAAA4D8CAAAAjAAAAAAAAAAAAAAAT4G9DP///wgAAAAAAAAAAAAAAAAAAAAAAAAAAAAAAAAAAAAAZAAAAAEAAABAAAAAAAAAAAAAAAAAAAAAAAAAAAAAAAAAAAAAAAAAAAAAAAAAAAAAAAAAAAAAAAAAAAAAAAAAAAAAAAAAAAAAAAAAAAAAAAAAAAAAAAAAAAAAAAAAAAAAFAAAADwAAAAAAAAAAAAAAAAAAAkUAAAAAQAAABQAAAAUAAAAFAAAAAEAAAAAAAAAZAAAAGQAAAAAAAAAZAAAAGQAAAAVAAAAYAAAAAAAAAAAAAAADwAAACADAAAAAAAAAAAAAAEAAACgMgAAVgcAAKr4//8BAAAAf39/AAEAAABkAAAAAAAAABQAAABAHwAAAAAAACYAAAAAAAAAwOD//wAAAAAmAAAAZAAAABYAAABMAAAAAAAAAAAAAAAEAAAAAAAAAAEAAADu7OEKAAAAACgAAAAoAAAAZAAAAGQAAAAAAAAAzMzMAAAAAABQAAAAUAAAAGQAAABkAAAAAAAAABcAAAAUAAAAAAAAAAAAAAD/fwAA/38AAAAAAAAJAAAABAAAAAAAAAAeAAAAaAAAAAAAAAAAAAAAAAAAAAAAAAAAAAAAECcAABAnAAAAAAAAAAAAAAAAAAAAAAAAAAAAAAAAAAAAAAAAAAAAABQAAAAAAAAAwMD/AAAAAABkAAAAMgAAAAAAAABkAAAAAAAAAH9/fwAKAAAAIgAAABgAAAAAAAAAAAAAAAAAAAAAAAAAAAAAAAAAAAAkAAAAJAAAAAAAAAAHAAAAAAAAAAAAAAAAAAAAAAAAAAAAAAAAAAAAf39/ACUAAABYAAAAAAAAAAAAAAAAAAAAAAAAAAAAAAAAAAAAAAAAAAAAAAAAAAAAAAAAAAAAAAA/AAAAAAAAAKCGAQAAAAAAAAAAAAAAAAAMAAAAAQAAAAAAAAAAAAAAAAAAAB8AAABUAAAAT4G9Bf///wEAAAAAAAAAAAAAAAAAAAAAAAAAAAAAAAAAAAAAAAAAAAAAAAJ/f38A7uzhA8zMzADAwP8Af39/AAAAAAAAAAAAAAAAAAAAAAAAAAAAIQAAABgAAAAUAAAA0AIAAGX9//9wNQAAbQQAABAAAAAmAAAACAAAAAEgAAAAAAAA"/>
+                <pr:smNativeData xmlns:pr="smNativeData" xmlns="smNativeData" val="SMDATA_15_iunWYhMAAAAlAAAAZAAAAA0AAAAAkAAAAEgAAACQAAAASAAAAAAAAAABAAAAAAAAAAEAAABQAAAAAAAAAAAA4D8AAAAAAADgPwAAAAAAAOA/AAAAAAAA4D8AAAAAAADgPwAAAAAAAOA/AAAAAAAA4D8AAAAAAADgPwAAAAAAAOA/AAAAAAAA4D8CAAAAjAAAAAAAAAAAAAAAT4G9DP///wgAAAAAAAAAAAAAAAAAAAAAAAAAAAAAAAAAAAAAZAAAAAEAAABAAAAAAAAAAAAAAAAAAAAAAAAAAAAAAAAAAAAAAAAAAAAAAAAAAAAAAAAAAAAAAAAAAAAAAAAAAAAAAAAAAAAAAAAAAAAAAAAAAAAAAAAAAAAAAAAAAAAAFAAAADwAAAAAAAAAAAAAAAAAAAkUAAAAAQAAABQAAAAUAAAAFAAAAAEAAAAAAAAAZAAAAGQAAAAAAAAAZAAAAGQAAAAVAAAAYAAAAAAAAAAAAAAADwAAACADAAAAAAAAAAAAAAEAAACgMgAAVgcAAKr4//8BAAAAf39/AAEAAABkAAAAAAAAABQAAABAHwAAAAAAACYAAAAAAAAAwOD//wAAAAAmAAAAZAAAABYAAABMAAAAAAAAAAAAAAAEAAAAAAAAAAEAAADu7OEKAAAAACgAAAAoAAAAZAAAAGQAAAAAAAAAzMzMAAAAAABQAAAAUAAAAGQAAABkAAAAAAAAABcAAAAUAAAAAAAAAAAAAAD/fwAA/38AAAAAAAAJAAAABAAAAAAAAAAeAAAAaAAAAAAAAAAAAAAAAAAAAAAAAAAAAAAAECcAABAnAAAAAAAAAAAAAAAAAAAAAAAAAAAAAAAAAAAAAAAAAAAAABQAAAAAAAAAwMD/AAAAAABkAAAAMgAAAAAAAABkAAAAAAAAAH9/fwAKAAAAIgAAABgAAAAAAAAAAAAAAAAAAAAAAAAAAAAAAAAAAAAkAAAAJAAAAAAAAAAHAAAAAAAAAAAAAAAAAAAAAAAAAAAAAAAAAAAAf39/ACUAAABYAAAAAAAAAAAAAAAAAAAAAAAAAAAAAAAAAAAAAAAAAAAAAAAAAAAAAAAAAAAAAAA/AAAAAAAAAKCGAQAAAAAAAAAAAAAAAAAMAAAAAQAAAAAAAAAAAAAAAAAAAB8AAABUAAAAT4G9Bf///wEAAAAAAAAAAAAAAAAAAAAAAAAAAAAAAAAAAAAAAAAAAAAAAAJ/f38A7uzhA8zMzADAwP8Af39/AAAAAAAAAAAAAAAAAAAAAAAAAAAAIQAAABgAAAAUAAAA0AIAAGX9//9wNQAAbQQAABAAAAAmAAAACAAAAAEgAAAAAAAA"/>
               </a:ext>
             </a:extLst>
           </p:cNvSpPr>
@@ -5476,7 +5463,7 @@
             <a:spLocks noGrp="1" noChangeArrowheads="1"/>
             <a:extLst>
               <a:ext uri="smNativeData">
-                <pr:smNativeData xmlns:pr="smNativeData" xmlns="smNativeData" val="SMDATA_15_JtjWYhMAAAAlAAAAZAAAAA0AAAAAkAAAAEgAAACQAAAASAAAAAAAAAAAAAAAAAAAAAEAAABQAAAAAAAAAAAA4D8AAAAAAADgPwAAAAAAAOA/AAAAAAAA4D8AAAAAAADgPwAAAAAAAOA/AAAAAAAA4D8AAAAAAADgPwAAAAAAAOA/AAAAAAAA4D8CAAAAjAAAAAAAAAAAAAAAT4G9DP///wgAAAAAAAAAAAAAAAAAAAAAAAAAAAAAAAAAAAAAZAAAAAEAAABAAAAAAAAAAAAAAAAAAAAAAAAAAAAAAAAAAAAAAAAAAAAAAAAAAAAAAAAAAAAAAAAAAAAAAAAAAAAAAAAAAAAAAAAAAAAAAAAAAAAAAAAAAAAAAAAAAAAAFAAAADwAAAAAAAAAAAAAAAAAAAkUAAAAAQAAABQAAAAUAAAAFAAAAAEAAAAAAAAAZAAAAGQAAAAAAAAAZAAAAGQAAAAVAAAAYAAAAAAAAAAAAAAADwAAACADAAAAAAAAAAAAAAEAAACgMgAAVgcAAKr4//8BAAAAf39/AAEAAABkAAAAAAAAABQAAABAHwAAAAAAACYAAAAAAAAAwOD//wAAAAAmAAAAZAAAABYAAABMAAAAAAAAAAAAAAAEAAAAAAAAAAEAAADu7OEKAAAAACgAAAAoAAAAZAAAAGQAAAAAAAAAzMzMAAAAAABQAAAAUAAAAGQAAABkAAAAAAAAABcAAAAUAAAAAAAAAAAAAAD/fwAA/38AAAAAAAAJAAAABAAAAAAAAAAeAAAAaAAAAAAAAAAAAAAAAAAAAAAAAAAAAAAAECcAABAnAAAAAAAAAAAAAAAAAAAAAAAAAAAAAAAAAAAAAAAAAAAAABQAAAAAAAAAwMD/AAAAAABkAAAAMgAAAAAAAABkAAAAAAAAAH9/fwAKAAAAIgAAABgAAAAAAAAAAAAAAAAAAAAAAAAAAAAAAAAAAAAkAAAAJAAAAAAAAAAHAAAAAAAAAAAAAAAAAAAAAAAAAAAAAAAAAAAAf39/ACUAAABYAAAAAAAAAAAAAAAAAAAAAAAAAAAAAAAAAAAAAAAAAAAAAAAAAAAAAAAAAAAAAAA/AAAAAAAAAKCGAQAAAAAAAAAAAAAAAAAMAAAAAQAAAAAAAAAAAAAAAAAAAB8AAABUAAAAT4G9Bf///wEAAAAAAAAAAAAAAAAAAAAAAAAAAAAAAAAAAAAAAAAAAAAAAAJ/f38A7uzhA8zMzADAwP8Af39/AAAAAAAAAAAAAAAAAAAAAAAAAAAAIQAAABgAAAAUAAAAAAAAAF4BAABAOAAAMCoAABAAAAAmAAAACAAAAAEgAAAAAAAA"/>
+                <pr:smNativeData xmlns:pr="smNativeData" xmlns="smNativeData" val="SMDATA_15_iunWYhMAAAAlAAAAZAAAAA0AAAAAkAAAAEgAAACQAAAASAAAAAAAAAAAAAAAAAAAAAEAAABQAAAAAAAAAAAA4D8AAAAAAADgPwAAAAAAAOA/AAAAAAAA4D8AAAAAAADgPwAAAAAAAOA/AAAAAAAA4D8AAAAAAADgPwAAAAAAAOA/AAAAAAAA4D8CAAAAjAAAAAAAAAAAAAAAT4G9DP///wgAAAAAAAAAAAAAAAAAAAAAAAAAAAAAAAAAAAAAZAAAAAEAAABAAAAAAAAAAAAAAAAAAAAAAAAAAAAAAAAAAAAAAAAAAAAAAAAAAAAAAAAAAAAAAAAAAAAAAAAAAAAAAAAAAAAAAAAAAAAAAAAAAAAAAAAAAAAAAAAAAAAAFAAAADwAAAAAAAAAAAAAAAAAAAkUAAAAAQAAABQAAAAUAAAAFAAAAAEAAAAAAAAAZAAAAGQAAAAAAAAAZAAAAGQAAAAVAAAAYAAAAAAAAAAAAAAADwAAACADAAAAAAAAAAAAAAEAAACgMgAAVgcAAKr4//8BAAAAf39/AAEAAABkAAAAAAAAABQAAABAHwAAAAAAACYAAAAAAAAAwOD//wAAAAAmAAAAZAAAABYAAABMAAAAAAAAAAAAAAAEAAAAAAAAAAEAAADu7OEKAAAAACgAAAAoAAAAZAAAAGQAAAAAAAAAzMzMAAAAAABQAAAAUAAAAGQAAABkAAAAAAAAABcAAAAUAAAAAAAAAAAAAAD/fwAA/38AAAAAAAAJAAAABAAAAAAAAAAeAAAAaAAAAAAAAAAAAAAAAAAAAAAAAAAAAAAAECcAABAnAAAAAAAAAAAAAAAAAAAAAAAAAAAAAAAAAAAAAAAAAAAAABQAAAAAAAAAwMD/AAAAAABkAAAAMgAAAAAAAABkAAAAAAAAAH9/fwAKAAAAIgAAABgAAAAAAAAAAAAAAAAAAAAAAAAAAAAAAAAAAAAkAAAAJAAAAAAAAAAHAAAAAAAAAAAAAAAAAAAAAAAAAAAAAAAAAAAAf39/ACUAAABYAAAAAAAAAAAAAAAAAAAAAAAAAAAAAAAAAAAAAAAAAAAAAAAAAAAAAAAAAAAAAAA/AAAAAAAAAKCGAQAAAAAAAAAAAAAAAAAMAAAAAQAAAAAAAAAAAAAAAAAAAB8AAABUAAAAT4G9Bf///wEAAAAAAAAAAAAAAAAAAAAAAAAAAAAAAAAAAAAAAAAAAAAAAAJ/f38A7uzhA8zMzADAwP8Af39/AAAAAAAAAAAAAAAAAAAAAAAAAAAAIQAAABgAAAAUAAAAAAAAAF4BAABAOAAAMCoAAAAAAAAmAAAACAAAAAEgAAAAAAAA"/>
               </a:ext>
             </a:extLst>
           </p:cNvSpPr>
@@ -5508,7 +5495,7 @@
               <a:defRPr lang="fr-fr" sz="2465" cap="none"/>
             </a:pPr>
             <a:r>
-              <a:t>Structure of a variable</a:t>
+              <a:t>Structure of a variable :</a:t>
             </a:r>
           </a:p>
           <a:p>
@@ -5599,7 +5586,7 @@
               <a:defRPr lang="fr-fr" sz="2465" cap="none"/>
             </a:pPr>
             <a:r>
-              <a:t>Type of a variable</a:t>
+              <a:t>Type of a variable :</a:t>
             </a:r>
           </a:p>
           <a:p>
@@ -5624,7 +5611,15 @@
               <a:defRPr lang="fr-fr" sz="2465" cap="none"/>
             </a:pPr>
             <a:r>
-              <a:t>Help: ?mean</a:t>
+              <a:t>Help: </a:t>
+            </a:r>
+            <a:r>
+              <a:rPr lang="fr-fr" cap="none">
+                <a:latin typeface="Courier 10 Pitch" pitchFamily="1" charset="0"/>
+                <a:ea typeface="Courier 10 Pitch" pitchFamily="1" charset="0"/>
+                <a:cs typeface="Courier 10 Pitch" pitchFamily="1" charset="0"/>
+              </a:rPr>
+              <a:t>?mean</a:t>
             </a:r>
           </a:p>
           <a:p>
@@ -5638,7 +5633,15 @@
               <a:defRPr lang="fr-fr" sz="2465" cap="none"/>
             </a:pPr>
             <a:r>
-              <a:t>Setting the path towards help files:  setOption("helpdir",  "PATH")</a:t>
+              <a:t>Working directory: </a:t>
+            </a:r>
+            <a:r>
+              <a:rPr lang="fr-fr" cap="none">
+                <a:latin typeface="Courier 10 Pitch" pitchFamily="1" charset="0"/>
+                <a:ea typeface="Courier 10 Pitch" pitchFamily="1" charset="0"/>
+                <a:cs typeface="Courier 10 Pitch" pitchFamily="1" charset="0"/>
+              </a:rPr>
+              <a:t>getwd()</a:t>
             </a:r>
           </a:p>
           <a:p>
@@ -5652,7 +5655,15 @@
               <a:defRPr lang="fr-fr" sz="2465" cap="none"/>
             </a:pPr>
             <a:r>
-              <a:t>Working directory: getwd()</a:t>
+              <a:t>What’s in my environment: </a:t>
+            </a:r>
+            <a:r>
+              <a:rPr lang="fr-fr" cap="none">
+                <a:latin typeface="Courier 10 Pitch" pitchFamily="1" charset="0"/>
+                <a:ea typeface="Courier 10 Pitch" pitchFamily="1" charset="0"/>
+                <a:cs typeface="Courier 10 Pitch" pitchFamily="1" charset="0"/>
+              </a:rPr>
+              <a:t>ls()</a:t>
             </a:r>
           </a:p>
           <a:p>
@@ -5666,7 +5677,15 @@
               <a:defRPr lang="fr-fr" sz="2465" cap="none"/>
             </a:pPr>
             <a:r>
-              <a:t>What’s in my environment: ls()</a:t>
+              <a:t>What commands are available? </a:t>
+            </a:r>
+            <a:r>
+              <a:rPr lang="fr-fr" cap="none">
+                <a:latin typeface="Courier 10 Pitch" pitchFamily="1" charset="0"/>
+                <a:ea typeface="Courier 10 Pitch" pitchFamily="1" charset="0"/>
+                <a:cs typeface="Courier 10 Pitch" pitchFamily="1" charset="0"/>
+              </a:rPr>
+              <a:t>ls(all=TRUE)</a:t>
             </a:r>
           </a:p>
           <a:p>
@@ -5680,21 +5699,15 @@
               <a:defRPr lang="fr-fr" sz="2465" cap="none"/>
             </a:pPr>
             <a:r>
-              <a:t>What commands are available? ls(all=TRUE)</a:t>
-            </a:r>
-          </a:p>
-          <a:p>
-            <a:pPr>
-              <a:lnSpc>
-                <a:spcPct val="80000"/>
-              </a:lnSpc>
-              <a:spcBef>
-                <a:spcPts val="590"/>
-              </a:spcBef>
-              <a:defRPr lang="fr-fr" sz="2465" cap="none"/>
-            </a:pPr>
-            <a:r>
-              <a:t>Sourcing a file: source("file")</a:t>
+              <a:t>Sourcing a file: </a:t>
+            </a:r>
+            <a:r>
+              <a:rPr lang="fr-fr" cap="none">
+                <a:latin typeface="Courier 10 Pitch" pitchFamily="1" charset="0"/>
+                <a:ea typeface="Courier 10 Pitch" pitchFamily="1" charset="0"/>
+                <a:cs typeface="Courier 10 Pitch" pitchFamily="1" charset="0"/>
+              </a:rPr>
+              <a:t>source("file")</a:t>
             </a:r>
           </a:p>
           <a:p>
@@ -5718,7 +5731,7 @@
             <a:picLocks noChangeAspect="1"/>
             <a:extLst>
               <a:ext uri="smNativeData">
-                <pr:smNativeData xmlns:pr="smNativeData" xmlns="smNativeData" val="SMDATA_17_JtjWYhMAAAAlAAAAEQAAAC0AAAAAkAAAAEgAAACQAAAASAAAAAAAAAAAAAAAAAAAAAEAAABQAAAAAAAAAAAA4D8AAAAAAADgPwAAAAAAAOA/AAAAAAAA4D8AAAAAAADgPwAAAAAAAOA/AAAAAAAA4D8AAAAAAADgPwAAAAAAAOA/AAAAAAAA4D8CAAAAjAAAAAAAAAAAAAAAT4G9DP///wgAAAAAAAAAAAAAAAAAAAAAAAAAAAAAAAAAAAAAZAAAAAEAAABAAAAAAAAAAAAAAAAAAAAAAAAAAAAAAAAAAAAAAAAAAAAAAAAAAAAAAAAAAAAAAAAAAAAAAAAAAAAAAAAAAAAAAAAAAAAAAAAAAAAAAAAAAAAAAAAAAAAAFAAAADwAAAAAAAAAAAAAAAAAAAkUAAAAAQAAABQAAAAUAAAAFAAAAAEAAAAAAAAAZAAAAGQAAAAAAAAAZAAAAGQAAAAVAAAAYAAAAAAAAAAAAAAADwAAACADAAAAAAAAAAAAAAEAAACgMgAAVgcAAKr4//8BAAAAf39/AAEAAABkAAAAAAAAABQAAABAHwAAAAAAACYAAAAAAAAAwOD//wAAAAAmAAAAZAAAABYAAABMAAAAAAAAAAAAAAAEAAAAAAAAAAEAAADu7OEKAAAAACgAAAAoAAAAZAAAAGQAAAAAAAAAzMzMAAAAAABQAAAAUAAAAGQAAABkAAAAAAAAAAcAAAA4AAAAAAAAAAAAAAAAAAAA////AAAAAAAAAAAAAAAAAAAAAAAAAAAAAAAAAAAAAABkAAAAZAAAAAAAAAAjAAAABAAAAGQAAAAXAAAAFAAAAAAAAAAAAAAA/38AAP9/AAAAAAAACQAAAAQAAAAAAAAAHgAAAGgAAAAAAAAAAAAAAAAAAAAAAAAAAAAAABAnAAAQJwAAAAAAAAAAAAAAAAAAAAAAAAAAAAAAAAAAAAAAAAAAAAAUAAAAAAAAAMDA/wAAAAAAZAAAADIAAAAAAAAAZAAAAAAAAAB/f38ACgAAACIAAAAYAAAAAAAAAAAAAAAAAAAAAAAAAAAAAAAAAAAAJAAAACQAAAAAAAAABwAAAAAAAAAAAAAAAAAAAAAAAAAAAAAAAAAAAH9/fwAlAAAAWAAAAAAAAAAAAAAAAAAAAAAAAAAAAAAAAAAAAAAAAAAAAAAAAAAAAAAAAAAAAAAAPwAAAAAAAACghgEAAAAAAAAAAAAAAAAADAAAAAEAAAAAAAAAAAAAAAAAAAAfAAAAVAAAAE+BvQX///8BAAAAAAAAAAAAAAAAAAAAAAAAAAAAAAAAAAAAAAAAAAAAAAACf39/AO7s4QPMzMwAwMD/AH9/fwAAAAAAAAAAAAAAAAD///8AAAAAACEAAAAYAAAAFAAAAPgRAACGFQAAiB0AAP4aAAAQAAAAJgAAAAgAAAD//////////w=="/>
+                <pr:smNativeData xmlns:pr="smNativeData" xmlns="smNativeData" val="SMDATA_17_iunWYhMAAAAlAAAAEQAAAC0AAAAAkAAAAEgAAACQAAAASAAAAAAAAAAAAAAAAAAAAAEAAABQAAAAAAAAAAAA4D8AAAAAAADgPwAAAAAAAOA/AAAAAAAA4D8AAAAAAADgPwAAAAAAAOA/AAAAAAAA4D8AAAAAAADgPwAAAAAAAOA/AAAAAAAA4D8CAAAAjAAAAAAAAAAAAAAAT4G9DP///wgAAAAAAAAAAAAAAAAAAAAAAAAAAAAAAAAAAAAAZAAAAAEAAABAAAAAAAAAAAAAAAAAAAAAAAAAAAAAAAAAAAAAAAAAAAAAAAAAAAAAAAAAAAAAAAAAAAAAAAAAAAAAAAAAAAAAAAAAAAAAAAAAAAAAAAAAAAAAAAAAAAAAFAAAADwAAAAAAAAAAAAAAAAAAAkUAAAAAQAAABQAAAAUAAAAFAAAAAEAAAAAAAAAZAAAAGQAAAAAAAAAZAAAAGQAAAAVAAAAYAAAAAAAAAAAAAAADwAAACADAAAAAAAAAAAAAAEAAACgMgAAVgcAAKr4//8BAAAAf39/AAEAAABkAAAAAAAAABQAAABAHwAAAAAAACYAAAAAAAAAwOD//wAAAAAmAAAAZAAAABYAAABMAAAAAAAAAAAAAAAEAAAAAAAAAAEAAADu7OEKAAAAACgAAAAoAAAAZAAAAGQAAAAAAAAAzMzMAAAAAABQAAAAUAAAAGQAAABkAAAAAAAAAAcAAAA4AAAAAAAAAAAAAAAAAAAA////AAAAAAAAAAAAAAAAAAAAAAAAAAAAAAAAAAAAAABkAAAAZAAAAAAAAAAjAAAABAAAAGQAAAAXAAAAFAAAAAAAAAAAAAAA/38AAP9/AAAAAAAACQAAAAQAAAAAAAAAHgAAAGgAAAAAAAAAAAAAAAAAAAAAAAAAAAAAABAnAAAQJwAAAAAAAAAAAAAAAAAAAAAAAAAAAAAAAAAAAAAAAAAAAAAUAAAAAAAAAMDA/wAAAAAAZAAAADIAAAAAAAAAZAAAAAAAAAB/f38ACgAAACIAAAAYAAAAAAAAAAAAAAAAAAAAAAAAAAAAAAAAAAAAJAAAACQAAAAAAAAABwAAAAAAAAAAAAAAAAAAAAAAAAAAAAAAAAAAAH9/fwAlAAAAWAAAAAAAAAAAAAAAAAAAAAAAAAAAAAAAAAAAAAAAAAAAAAAAAAAAAAAAAAAAAAAAPwAAAAAAAACghgEAAAAAAAAAAAAAAAAADAAAAAEAAAAAAAAAAAAAAAAAAAAfAAAAVAAAAE+BvQX///8BAAAAAAAAAAAAAAAAAAAAAAAAAAAAAAAAAAAAAAAAAAAAAAACf39/AO7s4QPMzMwAwMD/AH9/fwAAAAAAAAAAAAAAAAD///8AAAAAACEAAAAYAAAAFAAAAOgSAABlFAAAeB4AAN0ZAAAQAAAAJgAAAAgAAAD//////////w=="/>
               </a:ext>
             </a:extLst>
           </p:cNvPicPr>
@@ -5732,7 +5745,7 @@
         </p:blipFill>
         <p:spPr>
           <a:xfrm>
-            <a:off x="2921000" y="3498850"/>
+            <a:off x="3073400" y="3315335"/>
             <a:ext cx="1879600" cy="889000"/>
           </a:xfrm>
           <a:prstGeom prst="rect">
@@ -5784,7 +5797,7 @@
             <a:spLocks noGrp="1" noChangeArrowheads="1"/>
             <a:extLst>
               <a:ext uri="smNativeData">
-                <pr:smNativeData xmlns:pr="smNativeData" xmlns="smNativeData" val="SMDATA_15_JtjWYhMAAAAlAAAAZAAAAA0AAAAAkAAAAEgAAACQAAAASAAAAAAAAAABAAAAAAAAAAEAAABQAAAAAAAAAAAA4D8AAAAAAADgPwAAAAAAAOA/AAAAAAAA4D8AAAAAAADgPwAAAAAAAOA/AAAAAAAA4D8AAAAAAADgPwAAAAAAAOA/AAAAAAAA4D8CAAAAjAAAAAAAAAAAAAAAT4G9DP///wgAAAAAAAAAAAAAAAAAAAAAAAAAAAAAAAAAAAAAZAAAAAEAAABAAAAAAAAAAAAAAAAAAAAAAAAAAAAAAAAAAAAAAAAAAAAAAAAAAAAAAAAAAAAAAAAAAAAAAAAAAAAAAAAAAAAAAAAAAAAAAAAAAAAAAAAAAAAAAAAAAAAAFAAAADwAAAAAAAAAAAAAAAAAAAkUAAAAAQAAABQAAAAUAAAAFAAAAAEAAAAAAAAAZAAAAGQAAAAAAAAAZAAAAGQAAAAVAAAAYAAAAAAAAAAAAAAADwAAACADAAAAAAAAAAAAAAEAAACgMgAAVgcAAKr4//8BAAAAf39/AAEAAABkAAAAAAAAABQAAABAHwAAAAAAACYAAAAAAAAAwOD//wAAAAAmAAAAZAAAABYAAABMAAAAAAAAAAAAAAAEAAAAAAAAAAEAAADu7OEKAAAAACgAAAAoAAAAZAAAAGQAAAAAAAAAzMzMAAAAAABQAAAAUAAAAGQAAABkAAAAAAAAABcAAAAUAAAAAAAAAAAAAAD/fwAA/38AAAAAAAAJAAAABAAAAAAAAAAeAAAAaAAAAAAAAAAAAAAAAAAAAAAAAAAAAAAAECcAABAnAAAAAAAAAAAAAAAAAAAAAAAAAAAAAAAAAAAAAAAAAAAAABQAAAAAAAAAwMD/AAAAAABkAAAAMgAAAAAAAABkAAAAAAAAAH9/fwAKAAAAIgAAABgAAAAAAAAAAAAAAAAAAAAAAAAAAAAAAAAAAAAkAAAAJAAAAAAAAAAHAAAAAAAAAAAAAAAAAAAAAAAAAAAAAAAAAAAAf39/ACUAAABYAAAAAAAAAAAAAAAAAAAAAAAAAAAAAAAAAAAAAAAAAAAAAAAAAAAAAAAAAAAAAAA/AAAAAAAAAKCGAQAAAAAAAAAAAAAAAAAMAAAAAQAAAAAAAAAAAAAAAAAAAB8AAABUAAAAT4G9Bf///wEAAAAAAAAAAAAAAAAAAAAAAAAAAAAAAAAAAAAAAAAAAAAAAAJ/f38A7uzhA8zMzADAwP8Af39/AAAAAAAAAAAAAAAAAAAAAAAAAAAAIQAAABgAAAAUAAAA0AIAALEBAABwNQAAuQgAABAAAAAmAAAACAAAAAAAAAAAAAAA"/>
+                <pr:smNativeData xmlns:pr="smNativeData" xmlns="smNativeData" val="SMDATA_15_iunWYhMAAAAlAAAAZAAAAA0AAAAAkAAAAEgAAACQAAAASAAAAAAAAAABAAAAAAAAAAEAAABQAAAAAAAAAAAA4D8AAAAAAADgPwAAAAAAAOA/AAAAAAAA4D8AAAAAAADgPwAAAAAAAOA/AAAAAAAA4D8AAAAAAADgPwAAAAAAAOA/AAAAAAAA4D8CAAAAjAAAAAAAAAAAAAAAT4G9DP///wgAAAAAAAAAAAAAAAAAAAAAAAAAAAAAAAAAAAAAZAAAAAEAAABAAAAAAAAAAAAAAAAAAAAAAAAAAAAAAAAAAAAAAAAAAAAAAAAAAAAAAAAAAAAAAAAAAAAAAAAAAAAAAAAAAAAAAAAAAAAAAAAAAAAAAAAAAAAAAAAAAAAAFAAAADwAAAAAAAAAAAAAAAAAAAkUAAAAAQAAABQAAAAUAAAAFAAAAAEAAAAAAAAAZAAAAGQAAAAAAAAAZAAAAGQAAAAVAAAAYAAAAAAAAAAAAAAADwAAACADAAAAAAAAAAAAAAEAAACgMgAAVgcAAKr4//8BAAAAf39/AAEAAABkAAAAAAAAABQAAABAHwAAAAAAACYAAAAAAAAAwOD//wAAAAAmAAAAZAAAABYAAABMAAAAAAAAAAAAAAAEAAAAAAAAAAEAAADu7OEKAAAAACgAAAAoAAAAZAAAAGQAAAAAAAAAzMzMAAAAAABQAAAAUAAAAGQAAABkAAAAAAAAABcAAAAUAAAAAAAAAAAAAAD/fwAA/38AAAAAAAAJAAAABAAAAAAAAAAeAAAAaAAAAAAAAAAAAAAAAAAAAAAAAAAAAAAAECcAABAnAAAAAAAAAAAAAAAAAAAAAAAAAAAAAAAAAAAAAAAAAAAAABQAAAAAAAAAwMD/AAAAAABkAAAAMgAAAAAAAABkAAAAAAAAAH9/fwAKAAAAIgAAABgAAAAAAAAAAAAAAAAAAAAAAAAAAAAAAAAAAAAkAAAAJAAAAAAAAAAHAAAAAAAAAAAAAAAAAAAAAAAAAAAAAAAAAAAAf39/ACUAAABYAAAAAAAAAAAAAAAAAAAAAAAAAAAAAAAAAAAAAAAAAAAAAAAAAAAAAAAAAAAAAAA/AAAAAAAAAKCGAQAAAAAAAAAAAAAAAAAMAAAAAQAAAAAAAAAAAAAAAAAAAB8AAABUAAAAT4G9Bf///wEAAAAAAAAAAAAAAAAAAAAAAAAAAAAAAAAAAAAAAAAAAAAAAAJ/f38A7uzhA8zMzADAwP8Af39/AAAAAAAAAAAAAAAAAAAAAAAAAAAAIQAAABgAAAAUAAAA0AIAALEBAABwNQAAuQgAABAAAAAmAAAACAAAAAAAAAAAAAAA"/>
               </a:ext>
             </a:extLst>
           </p:cNvSpPr>
@@ -5813,7 +5826,7 @@
             <a:spLocks noGrp="1" noChangeArrowheads="1"/>
             <a:extLst>
               <a:ext uri="smNativeData">
-                <pr:smNativeData xmlns:pr="smNativeData" xmlns="smNativeData" val="SMDATA_15_JtjWYhMAAAAlAAAAZAAAAA0AAAAAkAAAAEgAAACQAAAASAAAAAAAAAAAAAAAAAAAAAEAAABQAAAAAAAAAAAA4D8AAAAAAADgPwAAAAAAAOA/AAAAAAAA4D8AAAAAAADgPwAAAAAAAOA/AAAAAAAA4D8AAAAAAADgPwAAAAAAAOA/AAAAAAAA4D8CAAAAjAAAAAAAAAAAAAAAT4G9DP///wgAAAAAAAAAAAAAAAAAAAAAAAAAAAAAAAAAAAAAZAAAAAEAAABAAAAAAAAAAAAAAAAAAAAAAAAAAAAAAAAAAAAAAAAAAAAAAAAAAAAAAAAAAAAAAAAAAAAAAAAAAAAAAAAAAAAAAAAAAAAAAAAAAAAAAAAAAAAAAAAAAAAAFAAAADwAAAAAAAAAAAAAAAAAAAkUAAAAAQAAABQAAAAUAAAAFAAAAAEAAAAAAAAAZAAAAGQAAAAAAAAAZAAAAGQAAAAVAAAAYAAAAAAAAAAAAAAADwAAACADAAAAAAAAAAAAAAEAAACgMgAAVgcAAKr4//8BAAAAf39/AAEAAABkAAAAAAAAABQAAABAHwAAAAAAACYAAAAAAAAAwOD//wAAAAAmAAAAZAAAABYAAABMAAAAAAAAAAAAAAAEAAAAAAAAAAEAAADu7OEKAAAAACgAAAAoAAAAZAAAAGQAAAAAAAAAzMzMAAAAAABQAAAAUAAAAGQAAABkAAAAAAAAABcAAAAUAAAAAAAAAAAAAAD/fwAA/38AAAAAAAAJAAAABAAAAC8AAAAeAAAAaAAAAAAAAAAAAAAAAAAAAAAAAAAAAAAAECcAABAnAAAAAAAAAAAAAAAAAAAAAAAAAAAAAAAAAAAAAAAAAAAAABQAAAAAAAAAwMD/AAAAAABkAAAAMgAAAAAAAABkAAAAAAAAAH9/fwAKAAAAIgAAABgAAAAAAAAAAAAAAAAAAAAAAAAAAAAAAAAAAAAkAAAAJAAAAAAAAAAHAAAAAAAAAAAAAAAAAAAAAAAAAAAAAAAAAAAAf39/ACUAAABYAAAAAAAAAAAAAAAAAAAAAAAAAAAAAAAAAAAAAAAAAAAAAAAAAAAAAAAAAAAAAAA/AAAAAAAAAKCGAQAAAAAAAAAAAAAAAAAMAAAAAQAAAAAAAAAAAAAAAAAAAB8AAABUAAAAT4G9Bf///wEAAAAAAAAAAAAAAAAAAAAAAAAAAAAAAAAAAAAAAAAAAAAAAAJ/f38A7uzhA8zMzADAwP8Af39/AAAAAAAAAAAAAAAAAAAAAAAAAAAAIQAAABgAAAAUAAAA0AIAANgJAAA8NwAAsCUAABAAAAAmAAAACAAAAAEAAAAAAAAA"/>
+                <pr:smNativeData xmlns:pr="smNativeData" xmlns="smNativeData" val="SMDATA_15_iunWYhMAAAAlAAAAZAAAAA0AAAAAkAAAAEgAAACQAAAASAAAAAAAAAAAAAAAAAAAAAEAAABQAAAAAAAAAAAA4D8AAAAAAADgPwAAAAAAAOA/AAAAAAAA4D8AAAAAAADgPwAAAAAAAOA/AAAAAAAA4D8AAAAAAADgPwAAAAAAAOA/AAAAAAAA4D8CAAAAjAAAAAAAAAAAAAAAT4G9DP///wgAAAAAAAAAAAAAAAAAAAAAAAAAAAAAAAAAAAAAZAAAAAEAAABAAAAAAAAAAAAAAAAAAAAAAAAAAAAAAAAAAAAAAAAAAAAAAAAAAAAAAAAAAAAAAAAAAAAAAAAAAAAAAAAAAAAAAAAAAAAAAAAAAAAAAAAAAAAAAAAAAAAAFAAAADwAAAAAAAAAAAAAAAAAAAkUAAAAAQAAABQAAAAUAAAAFAAAAAEAAAAAAAAAZAAAAGQAAAAAAAAAZAAAAGQAAAAVAAAAYAAAAAAAAAAAAAAADwAAACADAAAAAAAAAAAAAAEAAACgMgAAVgcAAKr4//8BAAAAf39/AAEAAABkAAAAAAAAABQAAABAHwAAAAAAACYAAAAAAAAAwOD//wAAAAAmAAAAZAAAABYAAABMAAAAAAAAAAAAAAAEAAAAAAAAAAEAAADu7OEKAAAAACgAAAAoAAAAZAAAAGQAAAAAAAAAzMzMAAAAAABQAAAAUAAAAGQAAABkAAAAAAAAABcAAAAUAAAAAAAAAAAAAAD/fwAA/38AAAAAAAAJAAAABAAAAC8AAAAeAAAAaAAAAAAAAAAAAAAAAAAAAAAAAAAAAAAAECcAABAnAAAAAAAAAAAAAAAAAAAAAAAAAAAAAAAAAAAAAAAAAAAAABQAAAAAAAAAwMD/AAAAAABkAAAAMgAAAAAAAABkAAAAAAAAAH9/fwAKAAAAIgAAABgAAAAAAAAAAAAAAAAAAAAAAAAAAAAAAAAAAAAkAAAAJAAAAAAAAAAHAAAAAAAAAAAAAAAAAAAAAAAAAAAAAAAAAAAAf39/ACUAAABYAAAAAAAAAAAAAAAAAAAAAAAAAAAAAAAAAAAAAAAAAAAAAAAAAAAAAAAAAAAAAAA/AAAAAAAAAKCGAQAAAAAAAAAAAAAAAAAMAAAAAQAAAAAAAAAAAAAAAAAAAB8AAABUAAAAT4G9Bf///wEAAAAAAAAAAAAAAAAAAAAAAAAAAAAAAAAAAAAAAAAAAAAAAAJ/f38A7uzhA8zMzADAwP8Af39/AAAAAAAAAAAAAAAAAAAAAAAAAAAAIQAAABgAAAAUAAAA0AIAANgJAAA8NwAAsCUAABAAAAAmAAAACAAAAAEAAAAAAAAA"/>
               </a:ext>
             </a:extLst>
           </p:cNvSpPr>
@@ -5908,7 +5921,7 @@
             <a:picLocks noChangeAspect="1"/>
             <a:extLst>
               <a:ext uri="smNativeData">
-                <pr:smNativeData xmlns:pr="smNativeData" xmlns="smNativeData" val="SMDATA_17_JtjWYhMAAAAlAAAAEQAAAC0AAAAAkAAAAEgAAACQAAAASAAAAAAAAAAAAAAAAAAAAAEAAABQAAAAAAAAAAAA4D8AAAAAAADgPwAAAAAAAOA/AAAAAAAA4D8AAAAAAADgPwAAAAAAAOA/AAAAAAAA4D8AAAAAAADgPwAAAAAAAOA/AAAAAAAA4D8CAAAAjAAAAAAAAAAAAAAAT4G9DP///wgAAAAAAAAAAAAAAAAAAAAAAAAAAAAAAAAAAAAAZAAAAAEAAABAAAAAAAAAAAAAAAAAAAAAAAAAAAAAAAAAAAAAAAAAAAAAAAAAAAAAAAAAAAAAAAAAAAAAAAAAAAAAAAAAAAAAAAAAAAAAAAAAAAAAAAAAAAAAAAAAAAAAFAAAADwAAAAAAAAAAAAAAAAAAAkUAAAAAQAAABQAAAAUAAAAFAAAAAEAAAAAAAAAZAAAAGQAAAAAAAAAZAAAAGQAAAAVAAAAYAAAAAAAAAAAAAAADwAAACADAAAAAAAAAAAAAAEAAACgMgAAVgcAAKr4//8BAAAAf39/AAEAAABkAAAAAAAAABQAAABAHwAAAAAAACYAAAAAAAAAwOD//wAAAAAmAAAAZAAAABYAAABMAAAAAAAAAAAAAAAEAAAAAAAAAAEAAADu7OEKAAAAACgAAAAoAAAAZAAAAGQAAAAAAAAAzMzMAAAAAABQAAAAUAAAAGQAAABkAAAAAAAAAAcAAAA4AAAAAAAAAAAAAAAAAAAA////AAAAAAAAAAAAAAAAAAAAAAAAAAAAAAAAAAAAAABkAAAAZAAAAAAAAAAjAAAABAAAAGQAAAAXAAAAFAAAAAAAAAAAAAAA/38AAP9/AAAAAAAACQAAAAQAAAAEGQAAHgAAAGgAAAAAAAAAAAAAAAAAAAAAAAAAAAAAABAnAAAQJwAAAAAAAAAAAAAAAAAAAAAAAAAAAAAAAAAAAAAAAAAAAAAUAAAAAAAAAMDA/wAAAAAAZAAAADIAAAAAAAAAZAAAAAAAAAB/f38ACgAAACIAAAAYAAAAAAAAAAAAAAAAAAAAAAAAAAAAAAAAAAAAJAAAACQAAAAAAAAABwAAAAAAAAAAAAAAAAAAAAAAAAAAAAAAAAAAAH9/fwAlAAAAWAAAAAAAAAAAAAAAAAAAAAAAAAAAAAAAAAAAAAAAAAAAAAAAAAAAAAAAAAAAAAAAPwAAAAAAAACghgEAAAAAAAAAAAAAAAAADAAAAAEAAAAAAAAAAAAAAAAAAAAfAAAAVAAAAE+BvQX///8BAAAAAAAAAAAAAAAAAAAAAAAAAAAAAAAAAAAAAAAAAAAAAAACf39/AO7s4QPMzMwAwMD/AH9/fwAAAAAAAAAAAAAAAAD///8AAAAAACEAAAAYAAAAFAAAAJQHAACcEwAAUAoAAJQWAAAQAAAAJgAAAAgAAAD//////////w=="/>
+                <pr:smNativeData xmlns:pr="smNativeData" xmlns="smNativeData" val="SMDATA_17_iunWYhMAAAAlAAAAEQAAAC0AAAAAkAAAAEgAAACQAAAASAAAAAAAAAAAAAAAAAAAAAEAAABQAAAAAAAAAAAA4D8AAAAAAADgPwAAAAAAAOA/AAAAAAAA4D8AAAAAAADgPwAAAAAAAOA/AAAAAAAA4D8AAAAAAADgPwAAAAAAAOA/AAAAAAAA4D8CAAAAjAAAAAAAAAAAAAAAT4G9DP///wgAAAAAAAAAAAAAAAAAAAAAAAAAAAAAAAAAAAAAZAAAAAEAAABAAAAAAAAAAAAAAAAAAAAAAAAAAAAAAAAAAAAAAAAAAAAAAAAAAAAAAAAAAAAAAAAAAAAAAAAAAAAAAAAAAAAAAAAAAAAAAAAAAAAAAAAAAAAAAAAAAAAAFAAAADwAAAAAAAAAAAAAAAAAAAkUAAAAAQAAABQAAAAUAAAAFAAAAAEAAAAAAAAAZAAAAGQAAAAAAAAAZAAAAGQAAAAVAAAAYAAAAAAAAAAAAAAADwAAACADAAAAAAAAAAAAAAEAAACgMgAAVgcAAKr4//8BAAAAf39/AAEAAABkAAAAAAAAABQAAABAHwAAAAAAACYAAAAAAAAAwOD//wAAAAAmAAAAZAAAABYAAABMAAAAAAAAAAAAAAAEAAAAAAAAAAEAAADu7OEKAAAAACgAAAAoAAAAZAAAAGQAAAAAAAAAzMzMAAAAAABQAAAAUAAAAGQAAABkAAAAAAAAAAcAAAA4AAAAAAAAAAAAAAAAAAAA////AAAAAAAAAAAAAAAAAAAAAAAAAAAAAAAAAAAAAABkAAAAZAAAAAAAAAAjAAAABAAAAGQAAAAXAAAAFAAAAAAAAAAAAAAA/38AAP9/AAAAAAAACQAAAAQAAAAEGQAAHgAAAGgAAAAAAAAAAAAAAAAAAAAAAAAAAAAAABAnAAAQJwAAAAAAAAAAAAAAAAAAAAAAAAAAAAAAAAAAAAAAAAAAAAAUAAAAAAAAAMDA/wAAAAAAZAAAADIAAAAAAAAAZAAAAAAAAAB/f38ACgAAACIAAAAYAAAAAAAAAAAAAAAAAAAAAAAAAAAAAAAAAAAAJAAAACQAAAAAAAAABwAAAAAAAAAAAAAAAAAAAAAAAAAAAAAAAAAAAH9/fwAlAAAAWAAAAAAAAAAAAAAAAAAAAAAAAAAAAAAAAAAAAAAAAAAAAAAAAAAAAAAAAAAAAAAAPwAAAAAAAACghgEAAAAAAAAAAAAAAAAADAAAAAEAAAAAAAAAAAAAAAAAAAAfAAAAVAAAAE+BvQX///8BAAAAAAAAAAAAAAAAAAAAAAAAAAAAAAAAAAAAAAAAAAAAAAACf39/AO7s4QPMzMwAwMD/AH9/fwAAAAAAAAAAAAAAAAD///8AAAAAACEAAAAYAAAAFAAAAJQHAADaEQAAUAoAANIUAAAQAAAAJgAAAAgAAAD//////////w=="/>
               </a:ext>
             </a:extLst>
           </p:cNvPicPr>
@@ -5922,7 +5935,7 @@
         </p:blipFill>
         <p:spPr>
           <a:xfrm>
-            <a:off x="1231900" y="3187700"/>
+            <a:off x="1231900" y="2901950"/>
             <a:ext cx="444500" cy="482600"/>
           </a:xfrm>
           <a:prstGeom prst="rect">
@@ -5942,7 +5955,7 @@
             <a:picLocks noChangeAspect="1"/>
             <a:extLst>
               <a:ext uri="smNativeData">
-                <pr:smNativeData xmlns:pr="smNativeData" xmlns="smNativeData" val="SMDATA_17_JtjWYhMAAAAlAAAAEQAAAC0AAAAAkAAAAEgAAACQAAAASAAAAAAAAAAAAAAAAAAAAAEAAABQAAAAAAAAAAAA4D8AAAAAAADgPwAAAAAAAOA/AAAAAAAA4D8AAAAAAADgPwAAAAAAAOA/AAAAAAAA4D8AAAAAAADgPwAAAAAAAOA/AAAAAAAA4D8CAAAAjAAAAAAAAAAAAAAAT4G9DP///wgAAAAAAAAAAAAAAAAAAAAAAAAAAAAAAAAAAAAAZAAAAAEAAABAAAAAAAAAAAAAAAAAAAAAAAAAAAAAAAAAAAAAAAAAAAAAAAAAAAAAAAAAAAAAAAAAAAAAAAAAAAAAAAAAAAAAAAAAAAAAAAAAAAAAAAAAAAAAAAAAAAAAFAAAADwAAAAAAAAAAAAAAAAAAAkUAAAAAQAAABQAAAAUAAAAFAAAAAEAAAAAAAAAZAAAAGQAAAAAAAAAZAAAAGQAAAAVAAAAYAAAAAAAAAAAAAAADwAAACADAAAAAAAAAAAAAAEAAACgMgAAVgcAAKr4//8BAAAAf39/AAEAAABkAAAAAAAAABQAAABAHwAAAAAAACYAAAAAAAAAwOD//wAAAAAmAAAAZAAAABYAAABMAAAAAAAAAAAAAAAEAAAAAAAAAAEAAADu7OEKAAAAACgAAAAoAAAAZAAAAGQAAAAAAAAAzMzMAAAAAABQAAAAUAAAAGQAAABkAAAAAAAAAAcAAAA4AAAAAAAAAAAAAAAAAAAA////AAAAAAAAAAAAAAAAAAAAAAAAAAAAAAAAAAAAAABkAAAAZAAAAAAAAAAjAAAABAAAAGQAAAAXAAAAFAAAAAAAAAAAAAAA/38AAP9/AAAAAAAACQAAAAQAAAAAAQABHgAAAGgAAAAAAAAAAAAAAAAAAAAAAAAAAAAAABAnAAAQJwAAAAAAAAAAAAAAAAAAAAAAAAAAAAAAAAAAAAAAAAAAAAAUAAAAAAAAAMDA/wAAAAAAZAAAADIAAAAAAAAAZAAAAAAAAAB/f38ACgAAACIAAAAYAAAAAAAAAAAAAAAAAAAAAAAAAAAAAAAAAAAAJAAAACQAAAAAAAAABwAAAAAAAAAAAAAAAAAAAAAAAAAAAAAAAAAAAH9/fwAlAAAAWAAAAAAAAAAAAAAAAAAAAAAAAAAAAAAAAAAAAAAAAAAAAAAAAAAAAAAAAAAAAAAAPwAAAAAAAACghgEAAAAAAAAAAAAAAAAADAAAAAEAAAAAAAAAAAAAAAAAAAAfAAAAVAAAAE+BvQX///8BAAAAAAAAAAAAAAAAAAAAAAAAAAAAAAAAAAAAAAAAAAAAAAACf39/AO7s4QPMzMwAwMD/AH9/fwAAAAAAAAAAAAAAAAD///8AAAAAACEAAAAYAAAAFAAAAGwHAAA8GQAAUAoAAJQbAAAQAAAAJgAAAAgAAAD//////////w=="/>
+                <pr:smNativeData xmlns:pr="smNativeData" xmlns="smNativeData" val="SMDATA_17_iunWYhMAAAAlAAAAEQAAAC0AAAAAkAAAAEgAAACQAAAASAAAAAAAAAAAAAAAAAAAAAEAAABQAAAAAAAAAAAA4D8AAAAAAADgPwAAAAAAAOA/AAAAAAAA4D8AAAAAAADgPwAAAAAAAOA/AAAAAAAA4D8AAAAAAADgPwAAAAAAAOA/AAAAAAAA4D8CAAAAjAAAAAAAAAAAAAAAT4G9DP///wgAAAAAAAAAAAAAAAAAAAAAAAAAAAAAAAAAAAAAZAAAAAEAAABAAAAAAAAAAAAAAAAAAAAAAAAAAAAAAAAAAAAAAAAAAAAAAAAAAAAAAAAAAAAAAAAAAAAAAAAAAAAAAAAAAAAAAAAAAAAAAAAAAAAAAAAAAAAAAAAAAAAAFAAAADwAAAAAAAAAAAAAAAAAAAkUAAAAAQAAABQAAAAUAAAAFAAAAAEAAAAAAAAAZAAAAGQAAAAAAAAAZAAAAGQAAAAVAAAAYAAAAAAAAAAAAAAADwAAACADAAAAAAAAAAAAAAEAAACgMgAAVgcAAKr4//8BAAAAf39/AAEAAABkAAAAAAAAABQAAABAHwAAAAAAACYAAAAAAAAAwOD//wAAAAAmAAAAZAAAABYAAABMAAAAAAAAAAAAAAAEAAAAAAAAAAEAAADu7OEKAAAAACgAAAAoAAAAZAAAAGQAAAAAAAAAzMzMAAAAAABQAAAAUAAAAGQAAABkAAAAAAAAAAcAAAA4AAAAAAAAAAAAAAAAAAAA////AAAAAAAAAAAAAAAAAAAAAAAAAAAAAAAAAAAAAABkAAAAZAAAAAAAAAAjAAAABAAAAGQAAAAXAAAAFAAAAAAAAAAAAAAA/38AAP9/AAAAAAAACQAAAAQAAAAAAQABHgAAAGgAAAAAAAAAAAAAAAAAAAAAAAAAAAAAABAnAAAQJwAAAAAAAAAAAAAAAAAAAAAAAAAAAAAAAAAAAAAAAAAAAAAUAAAAAAAAAMDA/wAAAAAAZAAAADIAAAAAAAAAZAAAAAAAAAB/f38ACgAAACIAAAAYAAAAAAAAAAAAAAAAAAAAAAAAAAAAAAAAAAAAJAAAACQAAAAAAAAABwAAAAAAAAAAAAAAAAAAAAAAAAAAAAAAAAAAAH9/fwAlAAAAWAAAAAAAAAAAAAAAAAAAAAAAAAAAAAAAAAAAAAAAAAAAAAAAAAAAAAAAAAAAAAAAPwAAAAAAAACghgEAAAAAAAAAAAAAAAAADAAAAAEAAAAAAAAAAAAAAAAAAAAfAAAAVAAAAE+BvQX///8BAAAAAAAAAAAAAAAAAAAAAAAAAAAAAAAAAAAAAAAAAAAAAAACf39/AO7s4QPMzMwAwMD/AH9/fwAAAAAAAAAAAAAAAAD///8AAAAAACEAAAAYAAAAFAAAAGwHAAB6FwAAUAoAANIZAAAQAAAAJgAAAAgAAAD//////////w=="/>
               </a:ext>
             </a:extLst>
           </p:cNvPicPr>
@@ -5956,7 +5969,7 @@
         </p:blipFill>
         <p:spPr>
           <a:xfrm>
-            <a:off x="1206500" y="4102100"/>
+            <a:off x="1206500" y="3816350"/>
             <a:ext cx="469900" cy="381000"/>
           </a:xfrm>
           <a:prstGeom prst="rect">
@@ -5976,7 +5989,7 @@
             <a:picLocks noChangeAspect="1"/>
             <a:extLst>
               <a:ext uri="smNativeData">
-                <pr:smNativeData xmlns:pr="smNativeData" xmlns="smNativeData" val="SMDATA_17_JtjWYhMAAAAlAAAAEQAAAC0AAAAAkAAAAEgAAACQAAAASAAAAAAAAAAAAAAAAAAAAAEAAABQAAAAAAAAAAAA4D8AAAAAAADgPwAAAAAAAOA/AAAAAAAA4D8AAAAAAADgPwAAAAAAAOA/AAAAAAAA4D8AAAAAAADgPwAAAAAAAOA/AAAAAAAA4D8CAAAAjAAAAAAAAAAAAAAAT4G9DP///wgAAAAAAAAAAAAAAAAAAAAAAAAAAAAAAAAAAAAAZAAAAAEAAABAAAAAAAAAAAAAAAAAAAAAAAAAAAAAAAAAAAAAAAAAAAAAAAAAAAAAAAAAAAAAAAAAAAAAAAAAAAAAAAAAAAAAAAAAAAAAAAAAAAAAAAAAAAAAAAAAAAAAFAAAADwAAAAAAAAAAAAAAAAAAAkUAAAAAQAAABQAAAAUAAAAFAAAAAEAAAAAAAAAZAAAAGQAAAAAAAAAZAAAAGQAAAAVAAAAYAAAAAAAAAAAAAAADwAAACADAAAAAAAAAAAAAAEAAACgMgAAVgcAAKr4//8BAAAAf39/AAEAAABkAAAAAAAAABQAAABAHwAAAAAAACYAAAAAAAAAwOD//wAAAAAmAAAAZAAAABYAAABMAAAAAAAAAAAAAAAEAAAAAAAAAAEAAADu7OEKAAAAACgAAAAoAAAAZAAAAGQAAAAAAAAAzMzMAAAAAABQAAAAUAAAAGQAAABkAAAAAAAAAAcAAAA4AAAAAAAAAAAAAAAAAAAA////AAAAAAAAAAAAAAAAAAAAAAAAAAAAAAAAAAAAAABkAAAAZAAAAAAAAAAjAAAABAAAAGQAAAAXAAAAFAAAAAAAAAAAAAAA/38AAP9/AAAAAAAACQAAAAQAAABpbGw9HgAAAGgAAAAAAAAAAAAAAAAAAAAAAAAAAAAAABAnAAAQJwAAAAAAAAAAAAAAAAAAAAAAAAAAAAAAAAAAAAAAAAAAAAAUAAAAAAAAAMDA/wAAAAAAZAAAADIAAAAAAAAAZAAAAAAAAAB/f38ACgAAACIAAAAYAAAAAAAAAAAAAAAAAAAAAAAAAAAAAAAAAAAAJAAAACQAAAAAAAAABwAAAAAAAAAAAAAAAAAAAAAAAAAAAAAAAAAAAH9/fwAlAAAAWAAAAAAAAAAAAAAAAAAAAAAAAAAAAAAAAAAAAAAAAAAAAAAAAAAAAAAAAAAAAAAAPwAAAAAAAACghgEAAAAAAAAAAAAAAAAADAAAAAEAAAAAAAAAAAAAAAAAAAAfAAAAVAAAAE+BvQX///8BAAAAAAAAAAAAAAAAAAAAAAAAAAAAAAAAAAAAAAAAAAAAAAACf39/AO7s4QPMzMwAwMD/AH9/fwAAAAAAAAAAAAAAAAD///8AAAAAACEAAAAYAAAAFAAAAIAHAACUFgAAKAoAAOwYAAAQAAAAJgAAAAgAAAD//////////w=="/>
+                <pr:smNativeData xmlns:pr="smNativeData" xmlns="smNativeData" val="SMDATA_17_iunWYhMAAAAlAAAAEQAAAC0AAAAAkAAAAEgAAACQAAAASAAAAAAAAAAAAAAAAAAAAAEAAABQAAAAAAAAAAAA4D8AAAAAAADgPwAAAAAAAOA/AAAAAAAA4D8AAAAAAADgPwAAAAAAAOA/AAAAAAAA4D8AAAAAAADgPwAAAAAAAOA/AAAAAAAA4D8CAAAAjAAAAAAAAAAAAAAAT4G9DP///wgAAAAAAAAAAAAAAAAAAAAAAAAAAAAAAAAAAAAAZAAAAAEAAABAAAAAAAAAAAAAAAAAAAAAAAAAAAAAAAAAAAAAAAAAAAAAAAAAAAAAAAAAAAAAAAAAAAAAAAAAAAAAAAAAAAAAAAAAAAAAAAAAAAAAAAAAAAAAAAAAAAAAFAAAADwAAAAAAAAAAAAAAAAAAAkUAAAAAQAAABQAAAAUAAAAFAAAAAEAAAAAAAAAZAAAAGQAAAAAAAAAZAAAAGQAAAAVAAAAYAAAAAAAAAAAAAAADwAAACADAAAAAAAAAAAAAAEAAACgMgAAVgcAAKr4//8BAAAAf39/AAEAAABkAAAAAAAAABQAAABAHwAAAAAAACYAAAAAAAAAwOD//wAAAAAmAAAAZAAAABYAAABMAAAAAAAAAAAAAAAEAAAAAAAAAAEAAADu7OEKAAAAACgAAAAoAAAAZAAAAGQAAAAAAAAAzMzMAAAAAABQAAAAUAAAAGQAAABkAAAAAAAAAAcAAAA4AAAAAAAAAAAAAAAAAAAA////AAAAAAAAAAAAAAAAAAAAAAAAAAAAAAAAAAAAAABkAAAAZAAAAAAAAAAjAAAABAAAAGQAAAAXAAAAFAAAAAAAAAAAAAAA/38AAP9/AAAAAAAACQAAAAQAAABpbGw9HgAAAGgAAAAAAAAAAAAAAAAAAAAAAAAAAAAAABAnAAAQJwAAAAAAAAAAAAAAAAAAAAAAAAAAAAAAAAAAAAAAAAAAAAAUAAAAAAAAAMDA/wAAAAAAZAAAADIAAAAAAAAAZAAAAAAAAAB/f38ACgAAACIAAAAYAAAAAAAAAAAAAAAAAAAAAAAAAAAAAAAAAAAAJAAAACQAAAAAAAAABwAAAAAAAAAAAAAAAAAAAAAAAAAAAAAAAAAAAH9/fwAlAAAAWAAAAAAAAAAAAAAAAAAAAAAAAAAAAAAAAAAAAAAAAAAAAAAAAAAAAAAAAAAAAAAAPwAAAAAAAACghgEAAAAAAAAAAAAAAAAADAAAAAEAAAAAAAAAAAAAAAAAAAAfAAAAVAAAAE+BvQX///8BAAAAAAAAAAAAAAAAAAAAAAAAAAAAAAAAAAAAAAAAAAAAAAACf39/AO7s4QPMzMwAwMD/AH9/fwAAAAAAAAAAAAAAAAD///8AAAAAACEAAAAYAAAAFAAAAIAHAADSFAAAKAoAACoXAAAQAAAAJgAAAAgAAAD//////////w=="/>
               </a:ext>
             </a:extLst>
           </p:cNvPicPr>
@@ -5990,7 +6003,7 @@
         </p:blipFill>
         <p:spPr>
           <a:xfrm>
-            <a:off x="1219200" y="3670300"/>
+            <a:off x="1219200" y="3384550"/>
             <a:ext cx="431800" cy="381000"/>
           </a:xfrm>
           <a:prstGeom prst="rect">
@@ -6010,7 +6023,7 @@
             <a:picLocks noChangeAspect="1"/>
             <a:extLst>
               <a:ext uri="smNativeData">
-                <pr:smNativeData xmlns:pr="smNativeData" xmlns="smNativeData" val="SMDATA_17_JtjWYhMAAAAlAAAAEQAAAC0AAAAAkAAAAEgAAACQAAAASAAAAAAAAAAAAAAAAAAAAAEAAABQAAAAAAAAAAAA4D8AAAAAAADgPwAAAAAAAOA/AAAAAAAA4D8AAAAAAADgPwAAAAAAAOA/AAAAAAAA4D8AAAAAAADgPwAAAAAAAOA/AAAAAAAA4D8CAAAAjAAAAAAAAAAAAAAAT4G9DP///wgAAAAAAAAAAAAAAAAAAAAAAAAAAAAAAAAAAAAAZAAAAAEAAABAAAAAAAAAAAAAAAAAAAAAAAAAAAAAAAAAAAAAAAAAAAAAAAAAAAAAAAAAAAAAAAAAAAAAAAAAAAAAAAAAAAAAAAAAAAAAAAAAAAAAAAAAAAAAAAAAAAAAFAAAADwAAAAAAAAAAAAAAAAAAAkUAAAAAQAAABQAAAAUAAAAFAAAAAEAAAAAAAAAZAAAAGQAAAAAAAAAZAAAAGQAAAAVAAAAYAAAAAAAAAAAAAAADwAAACADAAAAAAAAAAAAAAEAAACgMgAAVgcAAKr4//8BAAAAf39/AAEAAABkAAAAAAAAABQAAABAHwAAAAAAACYAAAAAAAAAwOD//wAAAAAmAAAAZAAAABYAAABMAAAAAAAAAAAAAAAEAAAAAAAAAAEAAADu7OEKAAAAACgAAAAoAAAAZAAAAGQAAAAAAAAAzMzMAAAAAABQAAAAUAAAAGQAAABkAAAAAAAAAAcAAAA4AAAAAAAAAAAAAAAAAAAA////AAAAAAAAAAAAAAAAAAAAAAAAAAAAAAAAAAAAAABkAAAAZAAAAAAAAAAjAAAABAAAAGQAAAAXAAAAFAAAAAAAAAAAAAAA/38AAP9/AAAAAAAACQAAAAQAAABBQUFBHgAAAGgAAAAAAAAAAAAAAAAAAAAAAAAAAAAAABAnAAAQJwAAAAAAAAAAAAAAAAAAAAAAAAAAAAAAAAAAAAAAAAAAAAAUAAAAAAAAAMDA/wAAAAAAZAAAADIAAAAAAAAAZAAAAAAAAAB/f38ACgAAACIAAAAYAAAAAAAAAAAAAAAAAAAAAAAAAAAAAAAAAAAAJAAAACQAAAAAAAAABwAAAAAAAAAAAAAAAAAAAAAAAAAAAAAAAAAAAH9/fwAlAAAAWAAAAAAAAAAAAAAAAAAAAAAAAAAAAAAAAAAAAAAAAAAAAAAAAAAAAAAAAAAAAAAAPwAAAAAAAACghgEAAAAAAAAAAAAAAAAADAAAAAEAAAAAAAAAAAAAAAAAAAAfAAAAVAAAAE+BvQX///8BAAAAAAAAAAAAAAAAAAAAAAAAAAAAAAAAAAAAAAAAAAAAAAACf39/AO7s4QPMzMwAwMD/AH9/fwAAAAAAAAAAAAAAAAD///8AAAAAACEAAAAYAAAAFAAAADwFAAA8GQAA0AcAAKgbAAAQAAAAJgAAAAgAAAD//////////w=="/>
+                <pr:smNativeData xmlns:pr="smNativeData" xmlns="smNativeData" val="SMDATA_17_iunWYhMAAAAlAAAAEQAAAC0AAAAAkAAAAEgAAACQAAAASAAAAAAAAAAAAAAAAAAAAAEAAABQAAAAAAAAAAAA4D8AAAAAAADgPwAAAAAAAOA/AAAAAAAA4D8AAAAAAADgPwAAAAAAAOA/AAAAAAAA4D8AAAAAAADgPwAAAAAAAOA/AAAAAAAA4D8CAAAAjAAAAAAAAAAAAAAAT4G9DP///wgAAAAAAAAAAAAAAAAAAAAAAAAAAAAAAAAAAAAAZAAAAAEAAABAAAAAAAAAAAAAAAAAAAAAAAAAAAAAAAAAAAAAAAAAAAAAAAAAAAAAAAAAAAAAAAAAAAAAAAAAAAAAAAAAAAAAAAAAAAAAAAAAAAAAAAAAAAAAAAAAAAAAFAAAADwAAAAAAAAAAAAAAAAAAAkUAAAAAQAAABQAAAAUAAAAFAAAAAEAAAAAAAAAZAAAAGQAAAAAAAAAZAAAAGQAAAAVAAAAYAAAAAAAAAAAAAAADwAAACADAAAAAAAAAAAAAAEAAACgMgAAVgcAAKr4//8BAAAAf39/AAEAAABkAAAAAAAAABQAAABAHwAAAAAAACYAAAAAAAAAwOD//wAAAAAmAAAAZAAAABYAAABMAAAAAAAAAAAAAAAEAAAAAAAAAAEAAADu7OEKAAAAACgAAAAoAAAAZAAAAGQAAAAAAAAAzMzMAAAAAABQAAAAUAAAAGQAAABkAAAAAAAAAAcAAAA4AAAAAAAAAAAAAAAAAAAA////AAAAAAAAAAAAAAAAAAAAAAAAAAAAAAAAAAAAAABkAAAAZAAAAAAAAAAjAAAABAAAAGQAAAAXAAAAFAAAAAAAAAAAAAAA/38AAP9/AAAAAAAACQAAAAQAAABBQUFBHgAAAGgAAAAAAAAAAAAAAAAAAAAAAAAAAAAAABAnAAAQJwAAAAAAAAAAAAAAAAAAAAAAAAAAAAAAAAAAAAAAAAAAAAAUAAAAAAAAAMDA/wAAAAAAZAAAADIAAAAAAAAAZAAAAAAAAAB/f38ACgAAACIAAAAYAAAAAAAAAAAAAAAAAAAAAAAAAAAAAAAAAAAAJAAAACQAAAAAAAAABwAAAAAAAAAAAAAAAAAAAAAAAAAAAAAAAAAAAH9/fwAlAAAAWAAAAAAAAAAAAAAAAAAAAAAAAAAAAAAAAAAAAAAAAAAAAAAAAAAAAAAAAAAAAAAAPwAAAAAAAACghgEAAAAAAAAAAAAAAAAADAAAAAEAAAAAAAAAAAAAAAAAAAAfAAAAVAAAAE+BvQX///8BAAAAAAAAAAAAAAAAAAAAAAAAAAAAAAAAAAAAAAAAAAAAAAACf39/AO7s4QPMzMwAwMD/AH9/fwAAAAAAAAAAAAAAAAD///8AAAAAACEAAAAYAAAAFAAAADwFAAB6FwAA0AcAAOYZAAAQAAAAJgAAAAgAAAD//////////w=="/>
               </a:ext>
             </a:extLst>
           </p:cNvPicPr>
@@ -6024,7 +6037,7 @@
         </p:blipFill>
         <p:spPr>
           <a:xfrm>
-            <a:off x="850900" y="4102100"/>
+            <a:off x="850900" y="3816350"/>
             <a:ext cx="419100" cy="393700"/>
           </a:xfrm>
           <a:prstGeom prst="rect">
@@ -6076,7 +6089,7 @@
             <a:spLocks noGrp="1" noChangeArrowheads="1"/>
             <a:extLst>
               <a:ext uri="smNativeData">
-                <pr:smNativeData xmlns:pr="smNativeData" xmlns="smNativeData" val="SMDATA_15_JtjWYhMAAAAlAAAAZAAAAA0AAAAAkAAAAEgAAACQAAAASAAAAAAAAAABAAAAAAAAAAEAAABQAAAAAAAAAAAA4D8AAAAAAADgPwAAAAAAAOA/AAAAAAAA4D8AAAAAAADgPwAAAAAAAOA/AAAAAAAA4D8AAAAAAADgPwAAAAAAAOA/AAAAAAAA4D8CAAAAjAAAAAAAAAAAAAAAT4G9DP///wgAAAAAAAAAAAAAAAAAAAAAAAAAAAAAAAAAAAAAZAAAAAEAAABAAAAAAAAAAAAAAAAAAAAAAAAAAAAAAAAAAAAAAAAAAAAAAAAAAAAAAAAAAAAAAAAAAAAAAAAAAAAAAAAAAAAAAAAAAAAAAAAAAAAAAAAAAAAAAAAAAAAAFAAAADwAAAAAAAAAAAAAAAAAAAkUAAAAAQAAABQAAAAUAAAAFAAAAAEAAAAAAAAAZAAAAGQAAAAAAAAAZAAAAGQAAAAVAAAAYAAAAAAAAAAAAAAADwAAACADAAAAAAAAAAAAAAEAAACgMgAAVgcAAKr4//8BAAAAf39/AAEAAABkAAAAAAAAABQAAABAHwAAAAAAACYAAAAAAAAAwOD//wAAAAAmAAAAZAAAABYAAABMAAAAAAAAAAAAAAAEAAAAAAAAAAEAAADu7OEKAAAAACgAAAAoAAAAZAAAAGQAAAAAAAAAzMzMAAAAAABQAAAAUAAAAGQAAABkAAAAAAAAABcAAAAUAAAAAAAAAAAAAAD/fwAA/38AAAAAAAAJAAAABAAAAAAAAAAeAAAAaAAAAAAAAAAAAAAAAAAAAAAAAAAAAAAAECcAABAnAAAAAAAAAAAAAAAAAAAAAAAAAAAAAAAAAAAAAAAAAAAAABQAAAAAAAAAwMD/AAAAAABkAAAAMgAAAAAAAABkAAAAAAAAAH9/fwAKAAAAIgAAABgAAAAAAAAAAAAAAAAAAAAAAAAAAAAAAAAAAAAkAAAAJAAAAAAAAAAHAAAAAAAAAAAAAAAAAAAAAAAAAAAAAAAAAAAAf39/ACUAAABYAAAAAAAAAAAAAAAAAAAAAAAAAAAAAAAAAAAAAAAAAAAAAAAAAAAAAAAAAAAAAAA/AAAAAAAAAKCGAQAAAAAAAAAAAAAAAAAMAAAAAQAAAAAAAAAAAAAAAAAAAB8AAABUAAAAT4G9Bf///wEAAAAAAAAAAAAAAAAAAAAAAAAAAAAAAAAAAAAAAAAAAAAAAAJ/f38A7uzhA8zMzADAwP8Af39/AAAAAAAAAAAAAAAAAAAAAAAAAAAAIQAAABgAAAAUAAAA0AIAALEBAABwNQAAuQgAABAAAAAmAAAACAAAAAAAAAAAAAAA"/>
+                <pr:smNativeData xmlns:pr="smNativeData" xmlns="smNativeData" val="SMDATA_15_iunWYhMAAAAlAAAAZAAAAA0AAAAAkAAAAEgAAACQAAAASAAAAAAAAAABAAAAAAAAAAEAAABQAAAAAAAAAAAA4D8AAAAAAADgPwAAAAAAAOA/AAAAAAAA4D8AAAAAAADgPwAAAAAAAOA/AAAAAAAA4D8AAAAAAADgPwAAAAAAAOA/AAAAAAAA4D8CAAAAjAAAAAAAAAAAAAAAT4G9DP///wgAAAAAAAAAAAAAAAAAAAAAAAAAAAAAAAAAAAAAZAAAAAEAAABAAAAAAAAAAAAAAAAAAAAAAAAAAAAAAAAAAAAAAAAAAAAAAAAAAAAAAAAAAAAAAAAAAAAAAAAAAAAAAAAAAAAAAAAAAAAAAAAAAAAAAAAAAAAAAAAAAAAAFAAAADwAAAAAAAAAAAAAAAAAAAkUAAAAAQAAABQAAAAUAAAAFAAAAAEAAAAAAAAAZAAAAGQAAAAAAAAAZAAAAGQAAAAVAAAAYAAAAAAAAAAAAAAADwAAACADAAAAAAAAAAAAAAEAAACgMgAAVgcAAKr4//8BAAAAf39/AAEAAABkAAAAAAAAABQAAABAHwAAAAAAACYAAAAAAAAAwOD//wAAAAAmAAAAZAAAABYAAABMAAAAAAAAAAAAAAAEAAAAAAAAAAEAAADu7OEKAAAAACgAAAAoAAAAZAAAAGQAAAAAAAAAzMzMAAAAAABQAAAAUAAAAGQAAABkAAAAAAAAABcAAAAUAAAAAAAAAAAAAAD/fwAA/38AAAAAAAAJAAAABAAAAAAAAAAeAAAAaAAAAAAAAAAAAAAAAAAAAAAAAAAAAAAAECcAABAnAAAAAAAAAAAAAAAAAAAAAAAAAAAAAAAAAAAAAAAAAAAAABQAAAAAAAAAwMD/AAAAAABkAAAAMgAAAAAAAABkAAAAAAAAAH9/fwAKAAAAIgAAABgAAAAAAAAAAAAAAAAAAAAAAAAAAAAAAAAAAAAkAAAAJAAAAAAAAAAHAAAAAAAAAAAAAAAAAAAAAAAAAAAAAAAAAAAAf39/ACUAAABYAAAAAAAAAAAAAAAAAAAAAAAAAAAAAAAAAAAAAAAAAAAAAAAAAAAAAAAAAAAAAAA/AAAAAAAAAKCGAQAAAAAAAAAAAAAAAAAMAAAAAQAAAAAAAAAAAAAAAAAAAB8AAABUAAAAT4G9Bf///wEAAAAAAAAAAAAAAAAAAAAAAAAAAAAAAAAAAAAAAAAAAAAAAAJ/f38A7uzhA8zMzADAwP8Af39/AAAAAAAAAAAAAAAAAAAAAAAAAAAAIQAAABgAAAAUAAAA0AIAALEBAABwNQAAuQgAABAAAAAmAAAACAAAAAAAAAAAAAAA"/>
               </a:ext>
             </a:extLst>
           </p:cNvSpPr>
@@ -6105,7 +6118,7 @@
             <a:spLocks noGrp="1" noChangeArrowheads="1"/>
             <a:extLst>
               <a:ext uri="smNativeData">
-                <pr:smNativeData xmlns:pr="smNativeData" xmlns="smNativeData" val="SMDATA_15_JtjWYhMAAAAlAAAAZAAAAA0AAAAAkAAAAEgAAACQAAAASAAAAAAAAAAAAAAAAAAAAAEAAABQAAAAAAAAAAAA4D8AAAAAAADgPwAAAAAAAOA/AAAAAAAA4D8AAAAAAADgPwAAAAAAAOA/AAAAAAAA4D8AAAAAAADgPwAAAAAAAOA/AAAAAAAA4D8CAAAAjAAAAAAAAAAAAAAAT4G9DP///wgAAAAAAAAAAAAAAAAAAAAAAAAAAAAAAAAAAAAAZAAAAAEAAABAAAAAAAAAAAAAAAAAAAAAAAAAAAAAAAAAAAAAAAAAAAAAAAAAAAAAAAAAAAAAAAAAAAAAAAAAAAAAAAAAAAAAAAAAAAAAAAAAAAAAAAAAAAAAAAAAAAAAFAAAADwAAAAAAAAAAAAAAAAAAAkUAAAAAQAAABQAAAAUAAAAFAAAAAEAAAAAAAAAZAAAAGQAAAAAAAAAZAAAAGQAAAAVAAAAYAAAAAAAAAAAAAAADwAAACADAAAAAAAAAAAAAAEAAACgMgAAVgcAAKr4//8BAAAAf39/AAEAAABkAAAAAAAAABQAAABAHwAAAAAAACYAAAAAAAAAwOD//wAAAAAmAAAAZAAAABYAAABMAAAAAAAAAAAAAAAEAAAAAAAAAAEAAADu7OEKAAAAACgAAAAoAAAAZAAAAGQAAAAAAAAAzMzMAAAAAABQAAAAUAAAAGQAAABkAAAAAAAAABcAAAAUAAAAAAAAAAAAAAD/fwAA/38AAAAAAAAJAAAABAAAABYFAP8eAAAAaAAAAAAAAAAAAAAAAAAAAAAAAAAAAAAAECcAABAnAAAAAAAAAAAAAAAAAAAAAAAAAAAAAAAAAAAAAAAAAAAAABQAAAAAAAAAwMD/AAAAAABkAAAAMgAAAAAAAABkAAAAAAAAAH9/fwAKAAAAIgAAABgAAAAAAAAAAAAAAAAAAAAAAAAAAAAAAAAAAAAkAAAAJAAAAAAAAAAHAAAAAAAAAAAAAAAAAAAAAAAAAAAAAAAAAAAAf39/ACUAAABYAAAAAAAAAAAAAAAAAAAAAAAAAAAAAAAAAAAAAAAAAAAAAAAAAAAAAAAAAAAAAAA/AAAAAAAAAKCGAQAAAAAAAAAAAAAAAAAMAAAAAQAAAAAAAAAAAAAAAAAAAB8AAABUAAAAT4G9Bf///wEAAAAAAAAAAAAAAAAAAAAAAAAAAAAAAAAAAAAAAAAAAAAAAAJ/f38A7uzhA8zMzADAwP8Af39/AAAAAAAAAAAAAAAAAAAAAAAAAAAAIQAAABgAAAAUAAAA0AIAANgJAABwNQAAsCUAABAAAAAmAAAACAAAAAAAAAAAAAAA"/>
+                <pr:smNativeData xmlns:pr="smNativeData" xmlns="smNativeData" val="SMDATA_15_iunWYhMAAAAlAAAAZAAAAA0AAAAAkAAAAEgAAACQAAAASAAAAAAAAAAAAAAAAAAAAAEAAABQAAAAAAAAAAAA4D8AAAAAAADgPwAAAAAAAOA/AAAAAAAA4D8AAAAAAADgPwAAAAAAAOA/AAAAAAAA4D8AAAAAAADgPwAAAAAAAOA/AAAAAAAA4D8CAAAAjAAAAAAAAAAAAAAAT4G9DP///wgAAAAAAAAAAAAAAAAAAAAAAAAAAAAAAAAAAAAAZAAAAAEAAABAAAAAAAAAAAAAAAAAAAAAAAAAAAAAAAAAAAAAAAAAAAAAAAAAAAAAAAAAAAAAAAAAAAAAAAAAAAAAAAAAAAAAAAAAAAAAAAAAAAAAAAAAAAAAAAAAAAAAFAAAADwAAAAAAAAAAAAAAAAAAAkUAAAAAQAAABQAAAAUAAAAFAAAAAEAAAAAAAAAZAAAAGQAAAAAAAAAZAAAAGQAAAAVAAAAYAAAAAAAAAAAAAAADwAAACADAAAAAAAAAAAAAAEAAACgMgAAVgcAAKr4//8BAAAAf39/AAEAAABkAAAAAAAAABQAAABAHwAAAAAAACYAAAAAAAAAwOD//wAAAAAmAAAAZAAAABYAAABMAAAAAAAAAAAAAAAEAAAAAAAAAAEAAADu7OEKAAAAACgAAAAoAAAAZAAAAGQAAAAAAAAAzMzMAAAAAABQAAAAUAAAAGQAAABkAAAAAAAAABcAAAAUAAAAAAAAAAAAAAD/fwAA/38AAAAAAAAJAAAABAAAABYFAP8eAAAAaAAAAAAAAAAAAAAAAAAAAAAAAAAAAAAAECcAABAnAAAAAAAAAAAAAAAAAAAAAAAAAAAAAAAAAAAAAAAAAAAAABQAAAAAAAAAwMD/AAAAAABkAAAAMgAAAAAAAABkAAAAAAAAAH9/fwAKAAAAIgAAABgAAAAAAAAAAAAAAAAAAAAAAAAAAAAAAAAAAAAkAAAAJAAAAAAAAAAHAAAAAAAAAAAAAAAAAAAAAAAAAAAAAAAAAAAAf39/ACUAAABYAAAAAAAAAAAAAAAAAAAAAAAAAAAAAAAAAAAAAAAAAAAAAAAAAAAAAAAAAAAAAAA/AAAAAAAAAKCGAQAAAAAAAAAAAAAAAAAMAAAAAQAAAAAAAAAAAAAAAAAAAB8AAABUAAAAT4G9Bf///wEAAAAAAAAAAAAAAAAAAAAAAAAAAAAAAAAAAAAAAAAAAAAAAAJ/f38A7uzhA8zMzADAwP8Af39/AAAAAAAAAAAAAAAAAAAAAAAAAAAAIQAAABgAAAAUAAAA0AIAANgJAABwNQAAsCUAABAAAAAmAAAACAAAAAAAAAAAAAAA"/>
               </a:ext>
             </a:extLst>
           </p:cNvSpPr>
@@ -6206,7 +6219,7 @@
             <a:spLocks noGrp="1" noChangeArrowheads="1"/>
             <a:extLst>
               <a:ext uri="smNativeData">
-                <pr:smNativeData xmlns:pr="smNativeData" xmlns="smNativeData" val="SMDATA_15_JtjWYhMAAAAlAAAAZAAAAA0AAAAAkAAAAEgAAACQAAAASAAAAAAAAAABAAAAAAAAAAEAAABQAAAAAAAAAAAA4D8AAAAAAADgPwAAAAAAAOA/AAAAAAAA4D8AAAAAAADgPwAAAAAAAOA/AAAAAAAA4D8AAAAAAADgPwAAAAAAAOA/AAAAAAAA4D8CAAAAjAAAAAAAAAAAAAAAT4G9DP///wgAAAAAAAAAAAAAAAAAAAAAAAAAAAAAAAAAAAAAZAAAAAEAAABAAAAAAAAAAAAAAAAAAAAAAAAAAAAAAAAAAAAAAAAAAAAAAAAAAAAAAAAAAAAAAAAAAAAAAAAAAAAAAAAAAAAAAAAAAAAAAAAAAAAAAAAAAAAAAAAAAAAAFAAAADwAAAAAAAAAAAAAAAAAAAkUAAAAAQAAABQAAAAUAAAAFAAAAAEAAAAAAAAAZAAAAGQAAAAAAAAAZAAAAGQAAAAVAAAAYAAAAAAAAAAAAAAADwAAACADAAAAAAAAAAAAAAEAAACgMgAAVgcAAKr4//8BAAAAf39/AAEAAABkAAAAAAAAABQAAABAHwAAAAAAACYAAAAAAAAAwOD//wAAAAAmAAAAZAAAABYAAABMAAAAAAAAAAAAAAAEAAAAAAAAAAEAAADu7OEKAAAAACgAAAAoAAAAZAAAAGQAAAAAAAAAzMzMAAAAAABQAAAAUAAAAGQAAABkAAAAAAAAABcAAAAUAAAAAAAAAAAAAAD/fwAA/38AAAAAAAAJAAAABAAAAAAAAAEeAAAAaAAAAAAAAAAAAAAAAAAAAAAAAAAAAAAAECcAABAnAAAAAAAAAAAAAAAAAAAAAAAAAAAAAAAAAAAAAAAAAAAAABQAAAAAAAAAwMD/AAAAAABkAAAAMgAAAAAAAABkAAAAAAAAAH9/fwAKAAAAIgAAABgAAAAAAAAAAAAAAAAAAAAAAAAAAAAAAAAAAAAkAAAAJAAAAAAAAAAHAAAAAAAAAAAAAAAAAAAAAAAAAAAAAAAAAAAAf39/ACUAAABYAAAAAAAAAAAAAAAAAAAAAAAAAAAAAAAAAAAAAAAAAAAAAAAAAAAAAAAAAAAAAAA/AAAAAAAAAKCGAQAAAAAAAAAAAAAAAAAMAAAAAQAAAAAAAAAAAAAAAAAAAB8AAABUAAAAT4G9Bf///wEAAAAAAAAAAAAAAAAAAAAAAAAAAAAAAAAAAAAAAAAAAAAAAAJ/f38A7uzhA8zMzADAwP8Af39/AAAAAAAAAAAAAAAAAAAAAAAAAAAAIQAAABgAAAAUAAAA0AIAALEBAABwNQAAuQgAABAAAAAmAAAACAAAAAAAAAAAAAAA"/>
+                <pr:smNativeData xmlns:pr="smNativeData" xmlns="smNativeData" val="SMDATA_15_iunWYhMAAAAlAAAAZAAAAA0AAAAAkAAAAEgAAACQAAAASAAAAAAAAAABAAAAAAAAAAEAAABQAAAAAAAAAAAA4D8AAAAAAADgPwAAAAAAAOA/AAAAAAAA4D8AAAAAAADgPwAAAAAAAOA/AAAAAAAA4D8AAAAAAADgPwAAAAAAAOA/AAAAAAAA4D8CAAAAjAAAAAAAAAAAAAAAT4G9DP///wgAAAAAAAAAAAAAAAAAAAAAAAAAAAAAAAAAAAAAZAAAAAEAAABAAAAAAAAAAAAAAAAAAAAAAAAAAAAAAAAAAAAAAAAAAAAAAAAAAAAAAAAAAAAAAAAAAAAAAAAAAAAAAAAAAAAAAAAAAAAAAAAAAAAAAAAAAAAAAAAAAAAAFAAAADwAAAAAAAAAAAAAAAAAAAkUAAAAAQAAABQAAAAUAAAAFAAAAAEAAAAAAAAAZAAAAGQAAAAAAAAAZAAAAGQAAAAVAAAAYAAAAAAAAAAAAAAADwAAACADAAAAAAAAAAAAAAEAAACgMgAAVgcAAKr4//8BAAAAf39/AAEAAABkAAAAAAAAABQAAABAHwAAAAAAACYAAAAAAAAAwOD//wAAAAAmAAAAZAAAABYAAABMAAAAAAAAAAAAAAAEAAAAAAAAAAEAAADu7OEKAAAAACgAAAAoAAAAZAAAAGQAAAAAAAAAzMzMAAAAAABQAAAAUAAAAGQAAABkAAAAAAAAABcAAAAUAAAAAAAAAAAAAAD/fwAA/38AAAAAAAAJAAAABAAAAAAAAAEeAAAAaAAAAAAAAAAAAAAAAAAAAAAAAAAAAAAAECcAABAnAAAAAAAAAAAAAAAAAAAAAAAAAAAAAAAAAAAAAAAAAAAAABQAAAAAAAAAwMD/AAAAAABkAAAAMgAAAAAAAABkAAAAAAAAAH9/fwAKAAAAIgAAABgAAAAAAAAAAAAAAAAAAAAAAAAAAAAAAAAAAAAkAAAAJAAAAAAAAAAHAAAAAAAAAAAAAAAAAAAAAAAAAAAAAAAAAAAAf39/ACUAAABYAAAAAAAAAAAAAAAAAAAAAAAAAAAAAAAAAAAAAAAAAAAAAAAAAAAAAAAAAAAAAAA/AAAAAAAAAKCGAQAAAAAAAAAAAAAAAAAMAAAAAQAAAAAAAAAAAAAAAAAAAB8AAABUAAAAT4G9Bf///wEAAAAAAAAAAAAAAAAAAAAAAAAAAAAAAAAAAAAAAAAAAAAAAAJ/f38A7uzhA8zMzADAwP8Af39/AAAAAAAAAAAAAAAAAAAAAAAAAAAAIQAAABgAAAAUAAAA0AIAALEBAABwNQAAuQgAABAAAAAmAAAACAAAAAAAAAAAAAAA"/>
               </a:ext>
             </a:extLst>
           </p:cNvSpPr>
@@ -6234,7 +6247,7 @@
           <p:cNvSpPr>
             <a:extLst>
               <a:ext uri="smNativeData">
-                <pr:smNativeData xmlns:pr="smNativeData" xmlns="smNativeData" val="SMDATA_15_JtjWYhMAAAAlAAAAZAAAAA0AAAAAkAAAAEgAAACQAAAASAAAAAAAAAAAAAAAAAAAAAEAAABQAAAAAAAAAAAA4D8AAAAAAADgPwAAAAAAAOA/AAAAAAAA4D8AAAAAAADgPwAAAAAAAOA/AAAAAAAA4D8AAAAAAADgPwAAAAAAAOA/AAAAAAAA4D8CAAAAjAAAAAAAAAAAAAAAT4G9DP///wgAAAAAAAAAAAAAAAAAAAAAAAAAAAAAAAAAAAAAZAAAAAEAAABAAAAAAAAAAAAAAAAAAAAAAAAAAAAAAAAAAAAAAAAAAAAAAAAAAAAAAAAAAAAAAAAAAAAAAAAAAAAAAAAAAAAAAAAAAAAAAAAAAAAAAAAAAAAAAAAAAAAAFAAAADwAAAAAAAAAAAAAAAAAAAkUAAAAAQAAABQAAAAUAAAAFAAAAAEAAAAAAAAAZAAAAGQAAAAAAAAAZAAAAGQAAAAVAAAAYAAAAAAAAAAAAAAADwAAACADAAAAAAAAAAAAAAEAAACgMgAAVgcAAKr4//8BAAAAf39/AAEAAABkAAAAAAAAABQAAABAHwAAAAAAACYAAAAAAAAAwOD//wAAAAAmAAAAZAAAABYAAABMAAAAAAAAAAAAAAAEAAAAAAAAAAEAAADu7OEKAAAAACgAAAAoAAAAZAAAAGQAAAAAAAAAzMzMAAAAAABQAAAAUAAAAGQAAABkAAAAAAAAABcAAAAUAAAAAAAAAAAAAAD/fwAA/38AAAAAAAAJAAAABAAAAAAAAAEeAAAAaAAAAAAAAAAAAAAAAAAAAAAAAAAAAAAAECcAABAnAAAAAAAAAAAAAAAAAAAAAAAAAAAAAAAAAAAAAAAAAAAAABQAAAAAAAAAwMD/AAAAAABkAAAAMgAAAAAAAABkAAAAAAAAAH9/fwAKAAAAIgAAABgAAAAAAAAAAAAAAAAAAAAAAAAAAAAAAAAAAAAkAAAAJAAAAAAAAAAHAAAAAAAAAAAAAAAAAAAAAAAAAAAAAAAAAAAAf39/ACUAAABYAAAAAAAAAAAAAAAAAAAAAAAAAAAAAAAAAAAAAAAAAAAAAAAAAAAAAAAAAAAAAAA/AAAAAAAAAKCGAQAAAAAAAAAAAAAAAAAMAAAAAQAAAAAAAAAAAAAAAAAAAB8AAABUAAAAT4G9Bf///wEAAAAAAAAAAAAAAAAAAAAAAAAAAAAAAAAAAAAAAAAAAAAAAAJ/f38A7uzhA8zMzADAwP8Af39/AAAAAAAAAAAAAAAAAAAAAAAAAAAAIQAAABgAAAAUAAAA0AIAANgJAABwNQAA2iAAABAAAAAmAAAACAAAAP//////////"/>
+                <pr:smNativeData xmlns:pr="smNativeData" xmlns="smNativeData" val="SMDATA_15_iunWYhMAAAAlAAAAZAAAAA0AAAAAkAAAAEgAAACQAAAASAAAAAAAAAAAAAAAAAAAAAEAAABQAAAAAAAAAAAA4D8AAAAAAADgPwAAAAAAAOA/AAAAAAAA4D8AAAAAAADgPwAAAAAAAOA/AAAAAAAA4D8AAAAAAADgPwAAAAAAAOA/AAAAAAAA4D8CAAAAjAAAAAAAAAAAAAAAT4G9DP///wgAAAAAAAAAAAAAAAAAAAAAAAAAAAAAAAAAAAAAZAAAAAEAAABAAAAAAAAAAAAAAAAAAAAAAAAAAAAAAAAAAAAAAAAAAAAAAAAAAAAAAAAAAAAAAAAAAAAAAAAAAAAAAAAAAAAAAAAAAAAAAAAAAAAAAAAAAAAAAAAAAAAAFAAAADwAAAAAAAAAAAAAAAAAAAkUAAAAAQAAABQAAAAUAAAAFAAAAAEAAAAAAAAAZAAAAGQAAAAAAAAAZAAAAGQAAAAVAAAAYAAAAAAAAAAAAAAADwAAACADAAAAAAAAAAAAAAEAAACgMgAAVgcAAKr4//8BAAAAf39/AAEAAABkAAAAAAAAABQAAABAHwAAAAAAACYAAAAAAAAAwOD//wAAAAAmAAAAZAAAABYAAABMAAAAAAAAAAAAAAAEAAAAAAAAAAEAAADu7OEKAAAAACgAAAAoAAAAZAAAAGQAAAAAAAAAzMzMAAAAAABQAAAAUAAAAGQAAABkAAAAAAAAABcAAAAUAAAAAAAAAAAAAAD/fwAA/38AAAAAAAAJAAAABAAAAAAAAAEeAAAAaAAAAAAAAAAAAAAAAAAAAAAAAAAAAAAAECcAABAnAAAAAAAAAAAAAAAAAAAAAAAAAAAAAAAAAAAAAAAAAAAAABQAAAAAAAAAwMD/AAAAAABkAAAAMgAAAAAAAABkAAAAAAAAAH9/fwAKAAAAIgAAABgAAAAAAAAAAAAAAAAAAAAAAAAAAAAAAAAAAAAkAAAAJAAAAAAAAAAHAAAAAAAAAAAAAAAAAAAAAAAAAAAAAAAAAAAAf39/ACUAAABYAAAAAAAAAAAAAAAAAAAAAAAAAAAAAAAAAAAAAAAAAAAAAAAAAAAAAAAAAAAAAAA/AAAAAAAAAKCGAQAAAAAAAAAAAAAAAAAMAAAAAQAAAAAAAAAAAAAAAAAAAB8AAABUAAAAT4G9Bf///wEAAAAAAAAAAAAAAAAAAAAAAAAAAAAAAAAAAAAAAAAAAAAAAAJ/f38A7uzhA8zMzADAwP8Af39/AAAAAAAAAAAAAAAAAAAAAAAAAAAAIQAAABgAAAAUAAAA0AIAANgJAABwNQAA2iAAABAAAAAmAAAACAAAAP//////////"/>
               </a:ext>
             </a:extLst>
           </p:cNvSpPr>
@@ -6458,7 +6471,7 @@
             <a:spLocks noGrp="1" noChangeArrowheads="1"/>
             <a:extLst>
               <a:ext uri="smNativeData">
-                <pr:smNativeData xmlns:pr="smNativeData" xmlns="smNativeData" val="SMDATA_15_JtjWYhMAAAAlAAAAZAAAAA0AAAAAkAAAAEgAAACQAAAASAAAAAAAAAABAAAAAAAAAAEAAABQAAAAAAAAAAAA4D8AAAAAAADgPwAAAAAAAOA/AAAAAAAA4D8AAAAAAADgPwAAAAAAAOA/AAAAAAAA4D8AAAAAAADgPwAAAAAAAOA/AAAAAAAA4D8CAAAAjAAAAAAAAAAAAAAAT4G9DP///wgAAAAAAAAAAAAAAAAAAAAAAAAAAAAAAAAAAAAAZAAAAAEAAABAAAAAAAAAAAAAAAAAAAAAAAAAAAAAAAAAAAAAAAAAAAAAAAAAAAAAAAAAAAAAAAAAAAAAAAAAAAAAAAAAAAAAAAAAAAAAAAAAAAAAAAAAAAAAAAAAAAAAFAAAADwAAAAAAAAAAAAAAAAAAAkUAAAAAQAAABQAAAAUAAAAFAAAAAEAAAAAAAAAZAAAAGQAAAAAAAAAZAAAAGQAAAAVAAAAYAAAAAAAAAAAAAAADwAAACADAAAAAAAAAAAAAAEAAACgMgAAVgcAAKr4//8BAAAAf39/AAEAAABkAAAAAAAAABQAAABAHwAAAAAAACYAAAAAAAAAwOD//wAAAAAmAAAAZAAAABYAAABMAAAAAAAAAAAAAAAEAAAAAAAAAAEAAADu7OEKAAAAACgAAAAoAAAAZAAAAGQAAAAAAAAAzMzMAAAAAABQAAAAUAAAAGQAAABkAAAAAAAAABcAAAAUAAAAAAAAAAAAAAD/fwAA/38AAAAAAAAJAAAABAAAAAAAAAEeAAAAaAAAAAAAAAAAAAAAAAAAAAAAAAAAAAAAECcAABAnAAAAAAAAAAAAAAAAAAAAAAAAAAAAAAAAAAAAAAAAAAAAABQAAAAAAAAAwMD/AAAAAABkAAAAMgAAAAAAAABkAAAAAAAAAH9/fwAKAAAAIgAAABgAAAAAAAAAAAAAAAAAAAAAAAAAAAAAAAAAAAAkAAAAJAAAAAAAAAAHAAAAAAAAAAAAAAAAAAAAAAAAAAAAAAAAAAAAf39/ACUAAABYAAAAAAAAAAAAAAAAAAAAAAAAAAAAAAAAAAAAAAAAAAAAAAAAAAAAAAAAAAAAAAA/AAAAAAAAAKCGAQAAAAAAAAAAAAAAAAAMAAAAAQAAAAAAAAAAAAAAAAAAAB8AAABUAAAAT4G9Bf///wEAAAAAAAAAAAAAAAAAAAAAAAAAAAAAAAAAAAAAAAAAAAAAAAJ/f38A7uzhA8zMzADAwP8Af39/AAAAAAAAAAAAAAAAAAAAAAAAAAAAIQAAABgAAAAUAAAA0AIAALEBAABwNQAAuQgAABAAAAAmAAAACAAAAAAAAAAAAAAA"/>
+                <pr:smNativeData xmlns:pr="smNativeData" xmlns="smNativeData" val="SMDATA_15_iunWYhMAAAAlAAAAZAAAAA0AAAAAkAAAAEgAAACQAAAASAAAAAAAAAABAAAAAAAAAAEAAABQAAAAAAAAAAAA4D8AAAAAAADgPwAAAAAAAOA/AAAAAAAA4D8AAAAAAADgPwAAAAAAAOA/AAAAAAAA4D8AAAAAAADgPwAAAAAAAOA/AAAAAAAA4D8CAAAAjAAAAAAAAAAAAAAAT4G9DP///wgAAAAAAAAAAAAAAAAAAAAAAAAAAAAAAAAAAAAAZAAAAAEAAABAAAAAAAAAAAAAAAAAAAAAAAAAAAAAAAAAAAAAAAAAAAAAAAAAAAAAAAAAAAAAAAAAAAAAAAAAAAAAAAAAAAAAAAAAAAAAAAAAAAAAAAAAAAAAAAAAAAAAFAAAADwAAAAAAAAAAAAAAAAAAAkUAAAAAQAAABQAAAAUAAAAFAAAAAEAAAAAAAAAZAAAAGQAAAAAAAAAZAAAAGQAAAAVAAAAYAAAAAAAAAAAAAAADwAAACADAAAAAAAAAAAAAAEAAACgMgAAVgcAAKr4//8BAAAAf39/AAEAAABkAAAAAAAAABQAAABAHwAAAAAAACYAAAAAAAAAwOD//wAAAAAmAAAAZAAAABYAAABMAAAAAAAAAAAAAAAEAAAAAAAAAAEAAADu7OEKAAAAACgAAAAoAAAAZAAAAGQAAAAAAAAAzMzMAAAAAABQAAAAUAAAAGQAAABkAAAAAAAAABcAAAAUAAAAAAAAAAAAAAD/fwAA/38AAAAAAAAJAAAABAAAAAAAAAEeAAAAaAAAAAAAAAAAAAAAAAAAAAAAAAAAAAAAECcAABAnAAAAAAAAAAAAAAAAAAAAAAAAAAAAAAAAAAAAAAAAAAAAABQAAAAAAAAAwMD/AAAAAABkAAAAMgAAAAAAAABkAAAAAAAAAH9/fwAKAAAAIgAAABgAAAAAAAAAAAAAAAAAAAAAAAAAAAAAAAAAAAAkAAAAJAAAAAAAAAAHAAAAAAAAAAAAAAAAAAAAAAAAAAAAAAAAAAAAf39/ACUAAABYAAAAAAAAAAAAAAAAAAAAAAAAAAAAAAAAAAAAAAAAAAAAAAAAAAAAAAAAAAAAAAA/AAAAAAAAAKCGAQAAAAAAAAAAAAAAAAAMAAAAAQAAAAAAAAAAAAAAAAAAAB8AAABUAAAAT4G9Bf///wEAAAAAAAAAAAAAAAAAAAAAAAAAAAAAAAAAAAAAAAAAAAAAAAJ/f38A7uzhA8zMzADAwP8Af39/AAAAAAAAAAAAAAAAAAAAAAAAAAAAIQAAABgAAAAUAAAA0AIAALEBAABwNQAAuQgAABAAAAAmAAAACAAAAAAAAAAAAAAA"/>
               </a:ext>
             </a:extLst>
           </p:cNvSpPr>
@@ -6487,7 +6500,7 @@
             <a:spLocks noGrp="1" noChangeArrowheads="1"/>
             <a:extLst>
               <a:ext uri="smNativeData">
-                <pr:smNativeData xmlns:pr="smNativeData" xmlns="smNativeData" val="SMDATA_15_JtjWYhMAAAAlAAAAZAAAAA0AAAAAkAAAAEgAAACQAAAASAAAAAAAAAAAAAAAAAAAAAEAAABQAAAAAAAAAAAA4D8AAAAAAADgPwAAAAAAAOA/AAAAAAAA4D8AAAAAAADgPwAAAAAAAOA/AAAAAAAA4D8AAAAAAADgPwAAAAAAAOA/AAAAAAAA4D8CAAAAjAAAAAAAAAAAAAAAT4G9DP///wgAAAAAAAAAAAAAAAAAAAAAAAAAAAAAAAAAAAAAZAAAAAEAAABAAAAAAAAAAAAAAAAAAAAAAAAAAAAAAAAAAAAAAAAAAAAAAAAAAAAAAAAAAAAAAAAAAAAAAAAAAAAAAAAAAAAAAAAAAAAAAAAAAAAAAAAAAAAAAAAAAAAAFAAAADwAAAAAAAAAAAAAAAAAAAkUAAAAAQAAABQAAAAUAAAAFAAAAAEAAAAAAAAAZAAAAGQAAAAAAAAAZAAAAGQAAAAVAAAAYAAAAAAAAAAAAAAADwAAACADAAAAAAAAAAAAAAEAAACgMgAAVgcAAKr4//8BAAAAf39/AAEAAABkAAAAAAAAABQAAABAHwAAAAAAACYAAAAAAAAAwOD//wAAAAAmAAAAZAAAABYAAABMAAAAAAAAAAAAAAAEAAAAAAAAAAEAAADu7OEKAAAAACgAAAAoAAAAZAAAAGQAAAAAAAAAzMzMAAAAAABQAAAAUAAAAGQAAABkAAAAAAAAABcAAAAUAAAAAAAAAAAAAAD/fwAA/38AAAAAAAAJAAAABAAAAAAAAAEeAAAAaAAAAAAAAAAAAAAAAAAAAAAAAAAAAAAAECcAABAnAAAAAAAAAAAAAAAAAAAAAAAAAAAAAAAAAAAAAAAAAAAAABQAAAAAAAAAwMD/AAAAAABkAAAAMgAAAAAAAABkAAAAAAAAAH9/fwAKAAAAIgAAABgAAAAAAAAAAAAAAAAAAAAAAAAAAAAAAAAAAAAkAAAAJAAAAAAAAAAHAAAAAAAAAAAAAAAAAAAAAAAAAAAAAAAAAAAAf39/ACUAAABYAAAAAAAAAAAAAAAAAAAAAAAAAAAAAAAAAAAAAAAAAAAAAAAAAAAAAAAAAAAAAAA/AAAAAAAAAKCGAQAAAAAAAAAAAAAAAAAMAAAAAQAAAAAAAAAAAAAAAAAAAB8AAABUAAAAT4G9Bf///wEAAAAAAAAAAAAAAAAAAAAAAAAAAAAAAAAAAAAAAAAAAAAAAAJ/f38A7uzhA8zMzADAwP8Af39/AAAAAAAAAAAAAAAAAAAAAAAAAAAAIQAAABgAAAAUAAAA0AIAANgJAABwNQAA2iAAABAAAAAmAAAACAAAAAEAAAAAAAAA"/>
+                <pr:smNativeData xmlns:pr="smNativeData" xmlns="smNativeData" val="SMDATA_15_iunWYhMAAAAlAAAAZAAAAA0AAAAAkAAAAEgAAACQAAAASAAAAAAAAAAAAAAAAAAAAAEAAABQAAAAAAAAAAAA4D8AAAAAAADgPwAAAAAAAOA/AAAAAAAA4D8AAAAAAADgPwAAAAAAAOA/AAAAAAAA4D8AAAAAAADgPwAAAAAAAOA/AAAAAAAA4D8CAAAAjAAAAAAAAAAAAAAAT4G9DP///wgAAAAAAAAAAAAAAAAAAAAAAAAAAAAAAAAAAAAAZAAAAAEAAABAAAAAAAAAAAAAAAAAAAAAAAAAAAAAAAAAAAAAAAAAAAAAAAAAAAAAAAAAAAAAAAAAAAAAAAAAAAAAAAAAAAAAAAAAAAAAAAAAAAAAAAAAAAAAAAAAAAAAFAAAADwAAAAAAAAAAAAAAAAAAAkUAAAAAQAAABQAAAAUAAAAFAAAAAEAAAAAAAAAZAAAAGQAAAAAAAAAZAAAAGQAAAAVAAAAYAAAAAAAAAAAAAAADwAAACADAAAAAAAAAAAAAAEAAACgMgAAVgcAAKr4//8BAAAAf39/AAEAAABkAAAAAAAAABQAAABAHwAAAAAAACYAAAAAAAAAwOD//wAAAAAmAAAAZAAAABYAAABMAAAAAAAAAAAAAAAEAAAAAAAAAAEAAADu7OEKAAAAACgAAAAoAAAAZAAAAGQAAAAAAAAAzMzMAAAAAABQAAAAUAAAAGQAAABkAAAAAAAAABcAAAAUAAAAAAAAAAAAAAD/fwAA/38AAAAAAAAJAAAABAAAAAAAAAEeAAAAaAAAAAAAAAAAAAAAAAAAAAAAAAAAAAAAECcAABAnAAAAAAAAAAAAAAAAAAAAAAAAAAAAAAAAAAAAAAAAAAAAABQAAAAAAAAAwMD/AAAAAABkAAAAMgAAAAAAAABkAAAAAAAAAH9/fwAKAAAAIgAAABgAAAAAAAAAAAAAAAAAAAAAAAAAAAAAAAAAAAAkAAAAJAAAAAAAAAAHAAAAAAAAAAAAAAAAAAAAAAAAAAAAAAAAAAAAf39/ACUAAABYAAAAAAAAAAAAAAAAAAAAAAAAAAAAAAAAAAAAAAAAAAAAAAAAAAAAAAAAAAAAAAA/AAAAAAAAAKCGAQAAAAAAAAAAAAAAAAAMAAAAAQAAAAAAAAAAAAAAAAAAAB8AAABUAAAAT4G9Bf///wEAAAAAAAAAAAAAAAAAAAAAAAAAAAAAAAAAAAAAAAAAAAAAAAJ/f38A7uzhA8zMzADAwP8Af39/AAAAAAAAAAAAAAAAAAAAAAAAAAAAIQAAABgAAAAUAAAA0AIAANgJAABwNQAA2iAAABAAAAAmAAAACAAAAAEAAAAAAAAA"/>
               </a:ext>
             </a:extLst>
           </p:cNvSpPr>
@@ -6662,50 +6675,11 @@
       </p:sp>
       <p:sp>
         <p:nvSpPr>
-          <p:cNvPr id="4" name="CadreTexte1"/>
+          <p:cNvPr id="4" name="CadreTexte2"/>
           <p:cNvSpPr txBox="1">
             <a:extLst>
               <a:ext uri="smNativeData">
-                <pr:smNativeData xmlns:pr="smNativeData" xmlns="smNativeData" val="SMDATA_15_JtjWYhMAAAAlAAAAEgAAAE8BAAAAkAAAAEgAAACQAAAASAAAAAAAAAAAAAAAAAAAAAEAAABQAAAAAAAAAAAA4D8AAAAAAADgPwAAAAAAAOA/AAAAAAAA4D8AAAAAAADgPwAAAAAAAOA/AAAAAAAA4D8AAAAAAADgPwAAAAAAAOA/AAAAAAAA4D8CAAAAjAAAAAAAAAAAAAAAT4G9DP///wgAAAAAAAAAAAAAAAAAAAAAAAAAAAAAAAAAAAAAZAAAAAEAAABAAAAAAAAAAAAAAAAAAAAAAAAAAAAAAAAAAAAAAAAAAAAAAAAAAAAAAAAAAAAAAAAAAAAAAAAAAAAAAAAAAAAAAAAAAAAAAAAAAAAAAAAAAAAAAAAAAAAAFAAAADwAAAAAAAAAAAAAAAAAAAkUAAAAAQAAABQAAAAUAAAAFAAAAAEAAAAAAAAAZAAAAGQAAAAAAAAAZAAAAGQAAAAVAAAAYAAAAAAAAAAAAAAADwAAACADAAAAAAAAAAAAAAEAAACgMgAAVgcAAKr4//8BAAAAf39/AAEAAABkAAAAAAAAABQAAABAHwAAAAAAACYAAAAAAAAAwOD//wAAAAAmAAAAZAAAABYAAABMAAAAAAAAAAAAAAAEAAAAAAAAAAEAAADu7OEKAAAAACgAAAAoAAAAZAAAAGQAAAAAAAAAzMzMAAAAAABQAAAAUAAAAGQAAABkAAAAAAAAABcAAAAUAAAAAAAAAGMEAAD/fwAA/38AAAAAAAAJAAAABAAAAC8AAAAeAAAAaAAAAAAAAAAAAAAAAAAAAAAAAAAAAAAAECcAABAnAAAAAAAAAAAAAAAAAAAAAAAAAAAAAAAAAAAAAAAAAAAAABQAAAAAAAAAwMD/AAAAAABkAAAAMgAAAAAAAABkAAAAAAAAAH9/fwAKAAAAIgAAABgAAAAAAAAAAAAAAAAAAAAAAAAAAAAAAAAAAAAkAAAAJAAAAAAAAAAHAAAAAAAAAAAAAAAAAAAAAAAAAAAAAAAAAAAAf39/ACUAAABYAAAAAAAAAAAAAAAAAAAAAAAAAAAAAAAAAAAAAAAAAAAAAAAAAAAAAAAAAAAAAAA/AAAAAAAAAKCGAQAAAAAAAAAAAAAAAAAMAAAAAQAAAAAAAAAAAAAAAAAAAB8AAABUAAAAT4G9Bf///wEAAAAAAAAAAAAAAAAAAAAAAAAAAAAAAAAAAAAAAAAAAAAAAAJ/f38A7uzhA8zMzADAwP8Af39/AAAAAAAAAAAAAAAAAAAAAAAAAAAAIQAAABgAAAAUAAAAa/j//xoEAABCAgAAWgYAABAgAAAmAAAACAAAAP//////////"/>
-              </a:ext>
-            </a:extLst>
-          </p:cNvSpPr>
-          <p:nvPr/>
-        </p:nvSpPr>
-        <p:spPr>
-          <a:xfrm>
-            <a:off x="-1232535" y="666750"/>
-            <a:ext cx="1599565" cy="365760"/>
-          </a:xfrm>
-          <a:prstGeom prst="rect">
-            <a:avLst/>
-          </a:prstGeom>
-          <a:noFill/>
-          <a:ln>
-            <a:noFill/>
-          </a:ln>
-          <a:effectLst/>
-        </p:spPr>
-        <p:txBody>
-          <a:bodyPr vert="horz" wrap="square" numCol="1" spcCol="215900" anchor="t"/>
-          <a:lstStyle/>
-          <a:p>
-            <a:pPr>
-              <a:defRPr lang="fr-fr" i="1" cap="none"/>
-            </a:pPr>
-            <a:r>
-              <a:t>Constant node</a:t>
-            </a:r>
-          </a:p>
-        </p:txBody>
-      </p:sp>
-      <p:sp>
-        <p:nvSpPr>
-          <p:cNvPr id="5" name="CadreTexte2"/>
-          <p:cNvSpPr txBox="1">
-            <a:extLst>
-              <a:ext uri="smNativeData">
-                <pr:smNativeData xmlns:pr="smNativeData" xmlns="smNativeData" val="SMDATA_15_JtjWYhMAAAAlAAAAEgAAAE8BAAAAkAAAAEgAAACQAAAASAAAAAAAAAAAAAAAAAAAAAEAAABQAAAAAAAAAAAA4D8AAAAAAADgPwAAAAAAAOA/AAAAAAAA4D8AAAAAAADgPwAAAAAAAOA/AAAAAAAA4D8AAAAAAADgPwAAAAAAAOA/AAAAAAAA4D8CAAAAjAAAAAAAAAAAAAAAT4G9DP///wgAAAAAAAAAAAAAAAAAAAAAAAAAAAAAAAAAAAAAZAAAAAEAAABAAAAAAAAAAAAAAAAAAAAAAAAAAAAAAAAAAAAAAAAAAAAAAAAAAAAAAAAAAAAAAAAAAAAAAAAAAAAAAAAAAAAAAAAAAAAAAAAAAAAAAAAAAAAAAAAAAAAAFAAAADwAAAAAAAAAAAAAAAAAAAkUAAAAAQAAABQAAAAUAAAAFAAAAAEAAAAAAAAAZAAAAGQAAAAAAAAAZAAAAGQAAAAVAAAAYAAAAAAAAAAAAAAADwAAACADAAAAAAAAAAAAAAEAAACgMgAAVgcAAKr4//8BAAAAf39/AAEAAABkAAAAAAAAABQAAABAHwAAAAAAACYAAAAAAAAAwOD//wAAAAAmAAAAZAAAABYAAABMAAAAAAAAAAAAAAAEAAAAAAAAAAEAAADu7OEKAAAAACgAAAAoAAAAZAAAAGQAAAAAAAAAzMzMAAAAAABQAAAAUAAAAGQAAABkAAAAAAAAABcAAAAUAAAAAAAAAGMEAAD/fwAA/38AAAAAAAAJAAAABAAAAD7o2aweAAAAaAAAAAAAAAAAAAAAAAAAAAAAAAAAAAAAECcAABAnAAAAAAAAAAAAAAAAAAAAAAAAAAAAAAAAAAAAAAAAAAAAABQAAAAAAAAAwMD/AAAAAABkAAAAMgAAAAAAAABkAAAAAAAAAH9/fwAKAAAAIgAAABgAAAAAAAAAAAAAAAAAAAAAAAAAAAAAAAAAAAAkAAAAJAAAAAAAAAAHAAAAAAAAAAAAAAAAAAAAAAAAAAAAAAAAAAAAf39/ACUAAABYAAAAAAAAAAAAAAAAAAAAAAAAAAAAAAAAAAAAAAAAAAAAAAAAAAAAAAAAAAAAAAA/AAAAAAAAAKCGAQAAAAAAAAAAAAAAAAAMAAAAAQAAAAAAAAAAAAAAAAAAAB8AAABUAAAAT4G9Bf///wEAAAAAAAAAAAAAAAAAAAAAAAAAAAAAAAAAAAAAAAAAAAAAAAJ/f38A7uzhA8zMzADAwP8Af39/AAAAAAAAAAAAAAAAAAAAAAAAAAAAIQAAABgAAAAUAAAAQwsAAIcJAAAaFQAAxwsAABAgAAAmAAAACAAAAP//////////"/>
+                <pr:smNativeData xmlns:pr="smNativeData" xmlns="smNativeData" val="SMDATA_15_iunWYhMAAAAlAAAAEgAAAE8BAAAAkAAAAEgAAACQAAAASAAAAAAAAAAAAAAAAAAAAAEAAABQAAAAAAAAAAAA4D8AAAAAAADgPwAAAAAAAOA/AAAAAAAA4D8AAAAAAADgPwAAAAAAAOA/AAAAAAAA4D8AAAAAAADgPwAAAAAAAOA/AAAAAAAA4D8CAAAAjAAAAAAAAAAAAAAAT4G9DP///wgAAAAAAAAAAAAAAAAAAAAAAAAAAAAAAAAAAAAAZAAAAAEAAABAAAAAAAAAAAAAAAAAAAAAAAAAAAAAAAAAAAAAAAAAAAAAAAAAAAAAAAAAAAAAAAAAAAAAAAAAAAAAAAAAAAAAAAAAAAAAAAAAAAAAAAAAAAAAAAAAAAAAFAAAADwAAAAAAAAAAAAAAAAAAAkUAAAAAQAAABQAAAAUAAAAFAAAAAEAAAAAAAAAZAAAAGQAAAAAAAAAZAAAAGQAAAAVAAAAYAAAAAAAAAAAAAAADwAAACADAAAAAAAAAAAAAAEAAACgMgAAVgcAAKr4//8BAAAAf39/AAEAAABkAAAAAAAAABQAAABAHwAAAAAAACYAAAAAAAAAwOD//wAAAAAmAAAAZAAAABYAAABMAAAAAAAAAAAAAAAEAAAAAAAAAAEAAADu7OEKAAAAACgAAAAoAAAAZAAAAGQAAAAAAAAAzMzMAAAAAABQAAAAUAAAAGQAAABkAAAAAAAAABcAAAAUAAAAAAAAAGMEAAD/fwAA/38AAAAAAAAJAAAABAAAAD7o2aweAAAAaAAAAAAAAAAAAAAAAAAAAAAAAAAAAAAAECcAABAnAAAAAAAAAAAAAAAAAAAAAAAAAAAAAAAAAAAAAAAAAAAAABQAAAAAAAAAwMD/AAAAAABkAAAAMgAAAAAAAABkAAAAAAAAAH9/fwAKAAAAIgAAABgAAAAAAAAAAAAAAAAAAAAAAAAAAAAAAAAAAAAkAAAAJAAAAAAAAAAHAAAAAAAAAAAAAAAAAAAAAAAAAAAAAAAAAAAAf39/ACUAAABYAAAAAAAAAAAAAAAAAAAAAAAAAAAAAAAAAAAAAAAAAAAAAAAAAAAAAAAAAAAAAAA/AAAAAAAAAKCGAQAAAAAAAAAAAAAAAAAMAAAAAQAAAAAAAAAAAAAAAAAAAB8AAABUAAAAT4G9Bf///wEAAAAAAAAAAAAAAAAAAAAAAAAAAAAAAAAAAAAAAAAAAAAAAAJ/f38A7uzhA8zMzADAwP8Af39/AAAAAAAAAAAAAAAAAAAAAAAAAAAAIQAAABgAAAAUAAAAQwsAAIcJAAAaFQAAxwsAABAgAAAmAAAACAAAAP//////////"/>
               </a:ext>
             </a:extLst>
           </p:cNvSpPr>
@@ -6744,11 +6718,11 @@
       </p:sp>
       <p:sp>
         <p:nvSpPr>
-          <p:cNvPr id="6" name="CadreTexte3"/>
+          <p:cNvPr id="5" name="CadreTexte3"/>
           <p:cNvSpPr txBox="1">
             <a:extLst>
               <a:ext uri="smNativeData">
-                <pr:smNativeData xmlns:pr="smNativeData" xmlns="smNativeData" val="SMDATA_15_JtjWYhMAAAAlAAAAEgAAAE8BAAAAkAAAAEgAAACQAAAASAAAAAAAAAAAAAAAAAAAAAEAAABQAAAAAAAAAAAA4D8AAAAAAADgPwAAAAAAAOA/AAAAAAAA4D8AAAAAAADgPwAAAAAAAOA/AAAAAAAA4D8AAAAAAADgPwAAAAAAAOA/AAAAAAAA4D8CAAAAjAAAAAAAAAAAAAAAT4G9DP///wgAAAAAAAAAAAAAAAAAAAAAAAAAAAAAAAAAAAAAZAAAAAEAAABAAAAAAAAAAAAAAAAAAAAAAAAAAAAAAAAAAAAAAAAAAAAAAAAAAAAAAAAAAAAAAAAAAAAAAAAAAAAAAAAAAAAAAAAAAAAAAAAAAAAAAAAAAAAAAAAAAAAAFAAAADwAAAAAAAAAAAAAAAAAAAkUAAAAAQAAABQAAAAUAAAAFAAAAAEAAAAAAAAAZAAAAGQAAAAAAAAAZAAAAGQAAAAVAAAAYAAAAAAAAAAAAAAADwAAACADAAAAAAAAAAAAAAEAAACgMgAAVgcAAKr4//8BAAAAf39/AAEAAABkAAAAAAAAABQAAABAHwAAAAAAACYAAAAAAAAAwOD//wAAAAAmAAAAZAAAABYAAABMAAAAAAAAAAAAAAAEAAAAAAAAAAEAAADu7OEKAAAAACgAAAAoAAAAZAAAAGQAAAAAAAAAzMzMAAAAAABQAAAAUAAAAGQAAABkAAAAAAAAABcAAAAUAAAAAAAAAGMEAAD/fwAA/38AAAAAAAAJAAAABAAAAC8AAAAeAAAAaAAAAAAAAAAAAAAAAAAAAAAAAAAAAAAAECcAABAnAAAAAAAAAAAAAAAAAAAAAAAAAAAAAAAAAAAAAAAAAAAAABQAAAAAAAAAwMD/AAAAAABkAAAAMgAAAAAAAABkAAAAAAAAAH9/fwAKAAAAIgAAABgAAAAAAAAAAAAAAAAAAAAAAAAAAAAAAAAAAAAkAAAAJAAAAAAAAAAHAAAAAAAAAAAAAAAAAAAAAAAAAAAAAAAAAAAAf39/ACUAAABYAAAAAAAAAAAAAAAAAAAAAAAAAAAAAAAAAAAAAAAAAAAAAAAAAAAAAAAAAAAAAAA/AAAAAAAAAKCGAQAAAAAAAAAAAAAAAAAMAAAAAQAAAAAAAAAAAAAAAAAAAB8AAABUAAAAT4G9Bf///wEAAAAAAAAAAAAAAAAAAAAAAAAAAAAAAAAAAAAAAAAAAAAAAAJ/f38A7uzhA8zMzADAwP8Af39/AAAAAAAAAAAAAAAAAAAAAAAAAAAAIQAAABgAAAAUAAAAZAsAAM4LAAA7FQAADg4AABAgAAAmAAAACAAAAP//////////"/>
+                <pr:smNativeData xmlns:pr="smNativeData" xmlns="smNativeData" val="SMDATA_15_iunWYhMAAAAlAAAAEgAAAE8BAAAAkAAAAEgAAACQAAAASAAAAAAAAAAAAAAAAAAAAAEAAABQAAAAAAAAAAAA4D8AAAAAAADgPwAAAAAAAOA/AAAAAAAA4D8AAAAAAADgPwAAAAAAAOA/AAAAAAAA4D8AAAAAAADgPwAAAAAAAOA/AAAAAAAA4D8CAAAAjAAAAAAAAAAAAAAAT4G9DP///wgAAAAAAAAAAAAAAAAAAAAAAAAAAAAAAAAAAAAAZAAAAAEAAABAAAAAAAAAAAAAAAAAAAAAAAAAAAAAAAAAAAAAAAAAAAAAAAAAAAAAAAAAAAAAAAAAAAAAAAAAAAAAAAAAAAAAAAAAAAAAAAAAAAAAAAAAAAAAAAAAAAAAFAAAADwAAAAAAAAAAAAAAAAAAAkUAAAAAQAAABQAAAAUAAAAFAAAAAEAAAAAAAAAZAAAAGQAAAAAAAAAZAAAAGQAAAAVAAAAYAAAAAAAAAAAAAAADwAAACADAAAAAAAAAAAAAAEAAACgMgAAVgcAAKr4//8BAAAAf39/AAEAAABkAAAAAAAAABQAAABAHwAAAAAAACYAAAAAAAAAwOD//wAAAAAmAAAAZAAAABYAAABMAAAAAAAAAAAAAAAEAAAAAAAAAAEAAADu7OEKAAAAACgAAAAoAAAAZAAAAGQAAAAAAAAAzMzMAAAAAABQAAAAUAAAAGQAAABkAAAAAAAAABcAAAAUAAAAAAAAAGMEAAD/fwAA/38AAAAAAAAJAAAABAAAAC8AAAAeAAAAaAAAAAAAAAAAAAAAAAAAAAAAAAAAAAAAECcAABAnAAAAAAAAAAAAAAAAAAAAAAAAAAAAAAAAAAAAAAAAAAAAABQAAAAAAAAAwMD/AAAAAABkAAAAMgAAAAAAAABkAAAAAAAAAH9/fwAKAAAAIgAAABgAAAAAAAAAAAAAAAAAAAAAAAAAAAAAAAAAAAAkAAAAJAAAAAAAAAAHAAAAAAAAAAAAAAAAAAAAAAAAAAAAAAAAAAAAf39/ACUAAABYAAAAAAAAAAAAAAAAAAAAAAAAAAAAAAAAAAAAAAAAAAAAAAAAAAAAAAAAAAAAAAA/AAAAAAAAAKCGAQAAAAAAAAAAAAAAAAAMAAAAAQAAAAAAAAAAAAAAAAAAAB8AAABUAAAAT4G9Bf///wEAAAAAAAAAAAAAAAAAAAAAAAAAAAAAAAAAAAAAAAAAAAAAAAJ/f38A7uzhA8zMzADAwP8Af39/AAAAAAAAAAAAAAAAAAAAAAAAAAAAIQAAABgAAAAUAAAAZAsAAM4LAAA7FQAADg4AABAgAAAmAAAACAAAAP//////////"/>
               </a:ext>
             </a:extLst>
           </p:cNvSpPr>
@@ -6787,11 +6761,11 @@
       </p:sp>
       <p:sp>
         <p:nvSpPr>
-          <p:cNvPr id="7" name="CadreTexte4"/>
+          <p:cNvPr id="6" name="CadreTexte4"/>
           <p:cNvSpPr txBox="1">
             <a:extLst>
               <a:ext uri="smNativeData">
-                <pr:smNativeData xmlns:pr="smNativeData" xmlns="smNativeData" val="SMDATA_15_JtjWYhMAAAAlAAAAEgAAAE8BAAAAkAAAAEgAAACQAAAASAAAAAAAAAAAAAAAAAAAAAEAAABQAAAAAAAAAAAA4D8AAAAAAADgPwAAAAAAAOA/AAAAAAAA4D8AAAAAAADgPwAAAAAAAOA/AAAAAAAA4D8AAAAAAADgPwAAAAAAAOA/AAAAAAAA4D8CAAAAjAAAAAAAAAAAAAAAT4G9DP///wgAAAAAAAAAAAAAAAAAAAAAAAAAAAAAAAAAAAAAZAAAAAEAAABAAAAAAAAAAAAAAAAAAAAAAAAAAAAAAAAAAAAAAAAAAAAAAAAAAAAAAAAAAAAAAAAAAAAAAAAAAAAAAAAAAAAAAAAAAAAAAAAAAAAAAAAAAAAAAAAAAAAAFAAAADwAAAAAAAAAAAAAAAAAAAkUAAAAAQAAABQAAAAUAAAAFAAAAAEAAAAAAAAAZAAAAGQAAAAAAAAAZAAAAGQAAAAVAAAAYAAAAAAAAAAAAAAADwAAACADAAAAAAAAAAAAAAEAAACgMgAAVgcAAKr4//8BAAAAf39/AAEAAABkAAAAAAAAABQAAABAHwAAAAAAACYAAAAAAAAAwOD//wAAAAAmAAAAZAAAABYAAABMAAAAAAAAAAAAAAAEAAAAAAAAAAEAAADu7OEKAAAAACgAAAAoAAAAZAAAAGQAAAAAAAAAzMzMAAAAAABQAAAAUAAAAGQAAABkAAAAAAAAABcAAAAUAAAAAAAAAGMEAAD/fwAA/38AAAAAAAAJAAAABAAAAC8AAAAeAAAAaAAAAAAAAAAAAAAAAAAAAAAAAAAAAAAAECcAABAnAAAAAAAAAAAAAAAAAAAAAAAAAAAAAAAAAAAAAAAAAAAAABQAAAAAAAAAwMD/AAAAAABkAAAAMgAAAAAAAABkAAAAAAAAAH9/fwAKAAAAIgAAABgAAAAAAAAAAAAAAAAAAAAAAAAAAAAAAAAAAAAkAAAAJAAAAAAAAAAHAAAAAAAAAAAAAAAAAAAAAAAAAAAAAAAAAAAAf39/ACUAAABYAAAAAAAAAAAAAAAAAAAAAAAAAAAAAAAAAAAAAAAAAAAAAAAAAAAAAAAAAAAAAAA/AAAAAAAAAKCGAQAAAAAAAAAAAAAAAAAMAAAAAQAAAAAAAAAAAAAAAAAAAB8AAABUAAAAT4G9Bf///wEAAAAAAAAAAAAAAAAAAAAAAAAAAAAAAAAAAAAAAAAAAAAAAAJ/f38A7uzhA8zMzADAwP8Af39/AAAAAAAAAAAAAAAAAAAAAAAAAAAAIQAAABgAAAAUAAAA0xcAABUOAACoJQAAVRAAABAgAAAmAAAACAAAAP//////////"/>
+                <pr:smNativeData xmlns:pr="smNativeData" xmlns="smNativeData" val="SMDATA_15_iunWYhMAAAAlAAAAEgAAAE8BAAAAkAAAAEgAAACQAAAASAAAAAAAAAAAAAAAAAAAAAEAAABQAAAAAAAAAAAA4D8AAAAAAADgPwAAAAAAAOA/AAAAAAAA4D8AAAAAAADgPwAAAAAAAOA/AAAAAAAA4D8AAAAAAADgPwAAAAAAAOA/AAAAAAAA4D8CAAAAjAAAAAAAAAAAAAAAT4G9DP///wgAAAAAAAAAAAAAAAAAAAAAAAAAAAAAAAAAAAAAZAAAAAEAAABAAAAAAAAAAAAAAAAAAAAAAAAAAAAAAAAAAAAAAAAAAAAAAAAAAAAAAAAAAAAAAAAAAAAAAAAAAAAAAAAAAAAAAAAAAAAAAAAAAAAAAAAAAAAAAAAAAAAAFAAAADwAAAAAAAAAAAAAAAAAAAkUAAAAAQAAABQAAAAUAAAAFAAAAAEAAAAAAAAAZAAAAGQAAAAAAAAAZAAAAGQAAAAVAAAAYAAAAAAAAAAAAAAADwAAACADAAAAAAAAAAAAAAEAAACgMgAAVgcAAKr4//8BAAAAf39/AAEAAABkAAAAAAAAABQAAABAHwAAAAAAACYAAAAAAAAAwOD//wAAAAAmAAAAZAAAABYAAABMAAAAAAAAAAAAAAAEAAAAAAAAAAEAAADu7OEKAAAAACgAAAAoAAAAZAAAAGQAAAAAAAAAzMzMAAAAAABQAAAAUAAAAGQAAABkAAAAAAAAABcAAAAUAAAAAAAAAGMEAAD/fwAA/38AAAAAAAAJAAAABAAAAC8AAAAeAAAAaAAAAAAAAAAAAAAAAAAAAAAAAAAAAAAAECcAABAnAAAAAAAAAAAAAAAAAAAAAAAAAAAAAAAAAAAAAAAAAAAAABQAAAAAAAAAwMD/AAAAAABkAAAAMgAAAAAAAABkAAAAAAAAAH9/fwAKAAAAIgAAABgAAAAAAAAAAAAAAAAAAAAAAAAAAAAAAAAAAAAkAAAAJAAAAAAAAAAHAAAAAAAAAAAAAAAAAAAAAAAAAAAAAAAAAAAAf39/ACUAAABYAAAAAAAAAAAAAAAAAAAAAAAAAAAAAAAAAAAAAAAAAAAAAAAAAAAAAAAAAAAAAAA/AAAAAAAAAKCGAQAAAAAAAAAAAAAAAAAMAAAAAQAAAAAAAAAAAAAAAAAAAB8AAABUAAAAT4G9Bf///wEAAAAAAAAAAAAAAAAAAAAAAAAAAAAAAAAAAAAAAAAAAAAAAAJ/f38A7uzhA8zMzADAwP8Af39/AAAAAAAAAAAAAAAAAAAAAAAAAAAAIQAAABgAAAAUAAAA0xcAABUOAACoJQAAVRAAABAgAAAmAAAACAAAAP//////////"/>
               </a:ext>
             </a:extLst>
           </p:cNvSpPr>
@@ -6830,11 +6804,11 @@
       </p:sp>
       <p:sp>
         <p:nvSpPr>
-          <p:cNvPr id="8" name="CadreTexte5"/>
+          <p:cNvPr id="7" name="CadreTexte5"/>
           <p:cNvSpPr txBox="1">
             <a:extLst>
               <a:ext uri="smNativeData">
-                <pr:smNativeData xmlns:pr="smNativeData" xmlns="smNativeData" val="SMDATA_15_JtjWYhMAAAAlAAAAEgAAAE8BAAAAkAAAAEgAAACQAAAASAAAAAAAAAAAAAAAAAAAAAEAAABQAAAAAAAAAAAA4D8AAAAAAADgPwAAAAAAAOA/AAAAAAAA4D8AAAAAAADgPwAAAAAAAOA/AAAAAAAA4D8AAAAAAADgPwAAAAAAAOA/AAAAAAAA4D8CAAAAjAAAAAAAAAAAAAAAT4G9DP///wgAAAAAAAAAAAAAAAAAAAAAAAAAAAAAAAAAAAAAZAAAAAEAAABAAAAAAAAAAAAAAAAAAAAAAAAAAAAAAAAAAAAAAAAAAAAAAAAAAAAAAAAAAAAAAAAAAAAAAAAAAAAAAAAAAAAAAAAAAAAAAAAAAAAAAAAAAAAAAAAAAAAAFAAAADwAAAAAAAAAAAAAAAAAAAkUAAAAAQAAABQAAAAUAAAAFAAAAAEAAAAAAAAAZAAAAGQAAAAAAAAAZAAAAGQAAAAVAAAAYAAAAAAAAAAAAAAADwAAACADAAAAAAAAAAAAAAEAAACgMgAAVgcAAKr4//8BAAAAf39/AAEAAABkAAAAAAAAABQAAABAHwAAAAAAACYAAAAAAAAAwOD//wAAAAAmAAAAZAAAABYAAABMAAAAAAAAAAAAAAAEAAAAAAAAAAEAAADu7OEKAAAAACgAAAAoAAAAZAAAAGQAAAAAAAAAzMzMAAAAAABQAAAAUAAAAGQAAABkAAAAAAAAABcAAAAUAAAAAAAAAGMEAAD/fwAA/38AAAAAAAAJAAAABAAAAC8AAAAeAAAAaAAAAAAAAAAAAAAAAAAAAAAAAAAAAAAAECcAABAnAAAAAAAAAAAAAAAAAAAAAAAAAAAAAAAAAAAAAAAAAAAAABQAAAAAAAAAwMD/AAAAAABkAAAAMgAAAAAAAABkAAAAAAAAAH9/fwAKAAAAIgAAABgAAAAAAAAAAAAAAAAAAAAAAAAAAAAAAAAAAAAkAAAAJAAAAAAAAAAHAAAAAAAAAAAAAAAAAAAAAAAAAAAAAAAAAAAAf39/ACUAAABYAAAAAAAAAAAAAAAAAAAAAAAAAAAAAAAAAAAAAAAAAAAAAAAAAAAAAAAAAAAAAAA/AAAAAAAAAKCGAQAAAAAAAAAAAAAAAAAMAAAAAQAAAAAAAAAAAAAAAAAAAB8AAABUAAAAT4G9Bf///wEAAAAAAAAAAAAAAAAAAAAAAAAAAAAAAAAAAAAAAAAAAAAAAAJ/f38A7uzhA8zMzADAwP8Af39/AAAAAAAAAAAAAAAAAAAAAAAAAAAAIQAAABgAAAAUAAAAEAsAAFASAADlGAAAkBQAABAgAAAmAAAACAAAAP//////////"/>
+                <pr:smNativeData xmlns:pr="smNativeData" xmlns="smNativeData" val="SMDATA_15_iunWYhMAAAAlAAAAEgAAAE8BAAAAkAAAAEgAAACQAAAASAAAAAAAAAAAAAAAAAAAAAEAAABQAAAAAAAAAAAA4D8AAAAAAADgPwAAAAAAAOA/AAAAAAAA4D8AAAAAAADgPwAAAAAAAOA/AAAAAAAA4D8AAAAAAADgPwAAAAAAAOA/AAAAAAAA4D8CAAAAjAAAAAAAAAAAAAAAT4G9DP///wgAAAAAAAAAAAAAAAAAAAAAAAAAAAAAAAAAAAAAZAAAAAEAAABAAAAAAAAAAAAAAAAAAAAAAAAAAAAAAAAAAAAAAAAAAAAAAAAAAAAAAAAAAAAAAAAAAAAAAAAAAAAAAAAAAAAAAAAAAAAAAAAAAAAAAAAAAAAAAAAAAAAAFAAAADwAAAAAAAAAAAAAAAAAAAkUAAAAAQAAABQAAAAUAAAAFAAAAAEAAAAAAAAAZAAAAGQAAAAAAAAAZAAAAGQAAAAVAAAAYAAAAAAAAAAAAAAADwAAACADAAAAAAAAAAAAAAEAAACgMgAAVgcAAKr4//8BAAAAf39/AAEAAABkAAAAAAAAABQAAABAHwAAAAAAACYAAAAAAAAAwOD//wAAAAAmAAAAZAAAABYAAABMAAAAAAAAAAAAAAAEAAAAAAAAAAEAAADu7OEKAAAAACgAAAAoAAAAZAAAAGQAAAAAAAAAzMzMAAAAAABQAAAAUAAAAGQAAABkAAAAAAAAABcAAAAUAAAAAAAAAGMEAAD/fwAA/38AAAAAAAAJAAAABAAAAC8AAAAeAAAAaAAAAAAAAAAAAAAAAAAAAAAAAAAAAAAAECcAABAnAAAAAAAAAAAAAAAAAAAAAAAAAAAAAAAAAAAAAAAAAAAAABQAAAAAAAAAwMD/AAAAAABkAAAAMgAAAAAAAABkAAAAAAAAAH9/fwAKAAAAIgAAABgAAAAAAAAAAAAAAAAAAAAAAAAAAAAAAAAAAAAkAAAAJAAAAAAAAAAHAAAAAAAAAAAAAAAAAAAAAAAAAAAAAAAAAAAAf39/ACUAAABYAAAAAAAAAAAAAAAAAAAAAAAAAAAAAAAAAAAAAAAAAAAAAAAAAAAAAAAAAAAAAAA/AAAAAAAAAKCGAQAAAAAAAAAAAAAAAAAMAAAAAQAAAAAAAAAAAAAAAAAAAB8AAABUAAAAT4G9Bf///wEAAAAAAAAAAAAAAAAAAAAAAAAAAAAAAAAAAAAAAAAAAAAAAAJ/f38A7uzhA8zMzADAwP8Af39/AAAAAAAAAAAAAAAAAAAAAAAAAAAAIQAAABgAAAAUAAAAEAsAAFASAADlGAAAkBQAABAgAAAmAAAACAAAAP//////////"/>
               </a:ext>
             </a:extLst>
           </p:cNvSpPr>
@@ -6873,11 +6847,11 @@
       </p:sp>
       <p:sp>
         <p:nvSpPr>
-          <p:cNvPr id="9" name="CadreTexte6"/>
+          <p:cNvPr id="8" name="CadreTexte6"/>
           <p:cNvSpPr txBox="1">
             <a:extLst>
               <a:ext uri="smNativeData">
-                <pr:smNativeData xmlns:pr="smNativeData" xmlns="smNativeData" val="SMDATA_15_JtjWYhMAAAAlAAAAEgAAAE8BAAAAkAAAAEgAAACQAAAASAAAAAAAAAAAAAAAAAAAAAEAAABQAAAAAAAAAAAA4D8AAAAAAADgPwAAAAAAAOA/AAAAAAAA4D8AAAAAAADgPwAAAAAAAOA/AAAAAAAA4D8AAAAAAADgPwAAAAAAAOA/AAAAAAAA4D8CAAAAjAAAAAAAAAAAAAAAT4G9DP///wgAAAAAAAAAAAAAAAAAAAAAAAAAAAAAAAAAAAAAZAAAAAEAAABAAAAAAAAAAAAAAAAAAAAAAAAAAAAAAAAAAAAAAAAAAAAAAAAAAAAAAAAAAAAAAAAAAAAAAAAAAAAAAAAAAAAAAAAAAAAAAAAAAAAAAAAAAAAAAAAAAAAAFAAAADwAAAAAAAAAAAAAAAAAAAkUAAAAAQAAABQAAAAUAAAAFAAAAAEAAAAAAAAAZAAAAGQAAAAAAAAAZAAAAGQAAAAVAAAAYAAAAAAAAAAAAAAADwAAACADAAAAAAAAAAAAAAEAAACgMgAAVgcAAKr4//8BAAAAf39/AAEAAABkAAAAAAAAABQAAABAHwAAAAAAACYAAAAAAAAAwOD//wAAAAAmAAAAZAAAABYAAABMAAAAAAAAAAAAAAAEAAAAAAAAAAEAAADu7OEKAAAAACgAAAAoAAAAZAAAAGQAAAAAAAAAzMzMAAAAAABQAAAAUAAAAGQAAABkAAAAAAAAABcAAAAUAAAAAAAAAGMEAAD/fwAA/38AAAAAAAAJAAAABAAAAAAAAAEeAAAAaAAAAAAAAAAAAAAAAAAAAAAAAAAAAAAAECcAABAnAAAAAAAAAAAAAAAAAAAAAAAAAAAAAAAAAAAAAAAAAAAAABQAAAAAAAAAwMD/AAAAAABkAAAAMgAAAAAAAABkAAAAAAAAAH9/fwAKAAAAIgAAABgAAAAAAAAAAAAAAAAAAAAAAAAAAAAAAAAAAAAkAAAAJAAAAAAAAAAHAAAAAAAAAAAAAAAAAAAAAAAAAAAAAAAAAAAAf39/ACUAAABYAAAAAAAAAAAAAAAAAAAAAAAAAAAAAAAAAAAAAAAAAAAAAAAAAAAAAAAAAAAAAAA/AAAAAAAAAKCGAQAAAAAAAAAAAAAAAAAMAAAAAQAAAAAAAAAAAAAAAAAAAB8AAABUAAAAT4G9Bf///wEAAAAAAAAAAAAAAAAAAAAAAAAAAAAAAAAAAAAAAAAAAAAAAAJ/f38A7uzhA8zMzADAwP8Af39/AAAAAAAAAAAAAAAAAAAAAAAAAAAAIQAAABgAAAAUAAAAUwsAAIcUAAAqFQAAxxYAABAgAAAmAAAACAAAAP//////////"/>
+                <pr:smNativeData xmlns:pr="smNativeData" xmlns="smNativeData" val="SMDATA_15_iunWYhMAAAAlAAAAEgAAAE8BAAAAkAAAAEgAAACQAAAASAAAAAAAAAAAAAAAAAAAAAEAAABQAAAAAAAAAAAA4D8AAAAAAADgPwAAAAAAAOA/AAAAAAAA4D8AAAAAAADgPwAAAAAAAOA/AAAAAAAA4D8AAAAAAADgPwAAAAAAAOA/AAAAAAAA4D8CAAAAjAAAAAAAAAAAAAAAT4G9DP///wgAAAAAAAAAAAAAAAAAAAAAAAAAAAAAAAAAAAAAZAAAAAEAAABAAAAAAAAAAAAAAAAAAAAAAAAAAAAAAAAAAAAAAAAAAAAAAAAAAAAAAAAAAAAAAAAAAAAAAAAAAAAAAAAAAAAAAAAAAAAAAAAAAAAAAAAAAAAAAAAAAAAAFAAAADwAAAAAAAAAAAAAAAAAAAkUAAAAAQAAABQAAAAUAAAAFAAAAAEAAAAAAAAAZAAAAGQAAAAAAAAAZAAAAGQAAAAVAAAAYAAAAAAAAAAAAAAADwAAACADAAAAAAAAAAAAAAEAAACgMgAAVgcAAKr4//8BAAAAf39/AAEAAABkAAAAAAAAABQAAABAHwAAAAAAACYAAAAAAAAAwOD//wAAAAAmAAAAZAAAABYAAABMAAAAAAAAAAAAAAAEAAAAAAAAAAEAAADu7OEKAAAAACgAAAAoAAAAZAAAAGQAAAAAAAAAzMzMAAAAAABQAAAAUAAAAGQAAABkAAAAAAAAABcAAAAUAAAAAAAAAGMEAAD/fwAA/38AAAAAAAAJAAAABAAAAAAAAAEeAAAAaAAAAAAAAAAAAAAAAAAAAAAAAAAAAAAAECcAABAnAAAAAAAAAAAAAAAAAAAAAAAAAAAAAAAAAAAAAAAAAAAAABQAAAAAAAAAwMD/AAAAAABkAAAAMgAAAAAAAABkAAAAAAAAAH9/fwAKAAAAIgAAABgAAAAAAAAAAAAAAAAAAAAAAAAAAAAAAAAAAAAkAAAAJAAAAAAAAAAHAAAAAAAAAAAAAAAAAAAAAAAAAAAAAAAAAAAAf39/ACUAAABYAAAAAAAAAAAAAAAAAAAAAAAAAAAAAAAAAAAAAAAAAAAAAAAAAAAAAAAAAAAAAAA/AAAAAAAAAKCGAQAAAAAAAAAAAAAAAAAMAAAAAQAAAAAAAAAAAAAAAAAAAB8AAABUAAAAT4G9Bf///wEAAAAAAAAAAAAAAAAAAAAAAAAAAAAAAAAAAAAAAAAAAAAAAAJ/f38A7uzhA8zMzADAwP8Af39/AAAAAAAAAAAAAAAAAAAAAAAAAAAAIQAAABgAAAAUAAAAUwsAAIcUAAAqFQAAxxYAABAgAAAmAAAACAAAAP//////////"/>
               </a:ext>
             </a:extLst>
           </p:cNvSpPr>
@@ -6953,7 +6927,7 @@
             <a:spLocks noGrp="1" noChangeArrowheads="1"/>
             <a:extLst>
               <a:ext uri="smNativeData">
-                <pr:smNativeData xmlns:pr="smNativeData" xmlns="smNativeData" val="SMDATA_15_JtjWYhMAAAAlAAAAZAAAAA0AAAAAkAAAAEgAAACQAAAASAAAAAAAAAABAAAAAAAAAAEAAABQAAAAAAAAAAAA4D8AAAAAAADgPwAAAAAAAOA/AAAAAAAA4D8AAAAAAADgPwAAAAAAAOA/AAAAAAAA4D8AAAAAAADgPwAAAAAAAOA/AAAAAAAA4D8CAAAAjAAAAAAAAAAAAAAAT4G9DP///wgAAAAAAAAAAAAAAAAAAAAAAAAAAAAAAAAAAAAAZAAAAAEAAABAAAAAAAAAAAAAAAAAAAAAAAAAAAAAAAAAAAAAAAAAAAAAAAAAAAAAAAAAAAAAAAAAAAAAAAAAAAAAAAAAAAAAAAAAAAAAAAAAAAAAAAAAAAAAAAAAAAAAFAAAADwAAAAAAAAAAAAAAAAAAAkUAAAAAQAAABQAAAAUAAAAFAAAAAEAAAAAAAAAZAAAAGQAAAAAAAAAZAAAAGQAAAAVAAAAYAAAAAAAAAAAAAAADwAAACADAAAAAAAAAAAAAAEAAACgMgAAVgcAAKr4//8BAAAAf39/AAEAAABkAAAAAAAAABQAAABAHwAAAAAAACYAAAAAAAAAwOD//wAAAAAmAAAAZAAAABYAAABMAAAAAAAAAAAAAAAEAAAAAAAAAAEAAADu7OEKAAAAACgAAAAoAAAAZAAAAGQAAAAAAAAAzMzMAAAAAABQAAAAUAAAAGQAAABkAAAAAAAAABcAAAAUAAAAAAAAAAAAAAD/fwAA/38AAAAAAAAJAAAABAAAAAAAAAEeAAAAaAAAAAAAAAAAAAAAAAAAAAAAAAAAAAAAECcAABAnAAAAAAAAAAAAAAAAAAAAAAAAAAAAAAAAAAAAAAAAAAAAABQAAAAAAAAAwMD/AAAAAABkAAAAMgAAAAAAAABkAAAAAAAAAH9/fwAKAAAAIgAAABgAAAAAAAAAAAAAAAAAAAAAAAAAAAAAAAAAAAAkAAAAJAAAAAAAAAAHAAAAAAAAAAAAAAAAAAAAAAAAAAAAAAAAAAAAf39/ACUAAABYAAAAAAAAAAAAAAAAAAAAAAAAAAAAAAAAAAAAAAAAAAAAAAAAAAAAAAAAAAAAAAA/AAAAAAAAAKCGAQAAAAAAAAAAAAAAAAAMAAAAAQAAAAAAAAAAAAAAAAAAAB8AAABUAAAAT4G9Bf///wEAAAAAAAAAAAAAAAAAAAAAAAAAAAAAAAAAAAAAAAAAAAAAAAJ/f38A7uzhA8zMzADAwP8Af39/AAAAAAAAAAAAAAAAAAAAAAAAAAAAIQAAABgAAAAUAAAA0AIAALEBAABwNQAAuQgAABAAAAAmAAAACAAAAAAAAAAAAAAA"/>
+                <pr:smNativeData xmlns:pr="smNativeData" xmlns="smNativeData" val="SMDATA_15_iunWYhMAAAAlAAAAZAAAAA0AAAAAkAAAAEgAAACQAAAASAAAAAAAAAABAAAAAAAAAAEAAABQAAAAAAAAAAAA4D8AAAAAAADgPwAAAAAAAOA/AAAAAAAA4D8AAAAAAADgPwAAAAAAAOA/AAAAAAAA4D8AAAAAAADgPwAAAAAAAOA/AAAAAAAA4D8CAAAAjAAAAAAAAAAAAAAAT4G9DP///wgAAAAAAAAAAAAAAAAAAAAAAAAAAAAAAAAAAAAAZAAAAAEAAABAAAAAAAAAAAAAAAAAAAAAAAAAAAAAAAAAAAAAAAAAAAAAAAAAAAAAAAAAAAAAAAAAAAAAAAAAAAAAAAAAAAAAAAAAAAAAAAAAAAAAAAAAAAAAAAAAAAAAFAAAADwAAAAAAAAAAAAAAAAAAAkUAAAAAQAAABQAAAAUAAAAFAAAAAEAAAAAAAAAZAAAAGQAAAAAAAAAZAAAAGQAAAAVAAAAYAAAAAAAAAAAAAAADwAAACADAAAAAAAAAAAAAAEAAACgMgAAVgcAAKr4//8BAAAAf39/AAEAAABkAAAAAAAAABQAAABAHwAAAAAAACYAAAAAAAAAwOD//wAAAAAmAAAAZAAAABYAAABMAAAAAAAAAAAAAAAEAAAAAAAAAAEAAADu7OEKAAAAACgAAAAoAAAAZAAAAGQAAAAAAAAAzMzMAAAAAABQAAAAUAAAAGQAAABkAAAAAAAAABcAAAAUAAAAAAAAAAAAAAD/fwAA/38AAAAAAAAJAAAABAAAAAAAAAEeAAAAaAAAAAAAAAAAAAAAAAAAAAAAAAAAAAAAECcAABAnAAAAAAAAAAAAAAAAAAAAAAAAAAAAAAAAAAAAAAAAAAAAABQAAAAAAAAAwMD/AAAAAABkAAAAMgAAAAAAAABkAAAAAAAAAH9/fwAKAAAAIgAAABgAAAAAAAAAAAAAAAAAAAAAAAAAAAAAAAAAAAAkAAAAJAAAAAAAAAAHAAAAAAAAAAAAAAAAAAAAAAAAAAAAAAAAAAAAf39/ACUAAABYAAAAAAAAAAAAAAAAAAAAAAAAAAAAAAAAAAAAAAAAAAAAAAAAAAAAAAAAAAAAAAA/AAAAAAAAAKCGAQAAAAAAAAAAAAAAAAAMAAAAAQAAAAAAAAAAAAAAAAAAAB8AAABUAAAAT4G9Bf///wEAAAAAAAAAAAAAAAAAAAAAAAAAAAAAAAAAAAAAAAAAAAAAAAJ/f38A7uzhA8zMzADAwP8Af39/AAAAAAAAAAAAAAAAAAAAAAAAAAAAIQAAABgAAAAUAAAA0AIAALEBAABwNQAAuQgAABAAAAAmAAAACAAAAAAAAAAAAAAA"/>
               </a:ext>
             </a:extLst>
           </p:cNvSpPr>
@@ -6982,7 +6956,7 @@
             <a:spLocks noGrp="1" noChangeArrowheads="1"/>
             <a:extLst>
               <a:ext uri="smNativeData">
-                <pr:smNativeData xmlns:pr="smNativeData" xmlns="smNativeData" val="SMDATA_15_JtjWYhMAAAAlAAAAZAAAAA0AAAAAkAAAAEgAAACQAAAASAAAAAAAAAAAAAAAAAAAAAEAAABQAAAAAAAAAAAA4D8AAAAAAADgPwAAAAAAAOA/AAAAAAAA4D8AAAAAAADgPwAAAAAAAOA/AAAAAAAA4D8AAAAAAADgPwAAAAAAAOA/AAAAAAAA4D8CAAAAjAAAAAAAAAAAAAAAT4G9DP///wgAAAAAAAAAAAAAAAAAAAAAAAAAAAAAAAAAAAAAZAAAAAEAAABAAAAAAAAAAAAAAAAAAAAAAAAAAAAAAAAAAAAAAAAAAAAAAAAAAAAAAAAAAAAAAAAAAAAAAAAAAAAAAAAAAAAAAAAAAAAAAAAAAAAAAAAAAAAAAAAAAAAAFAAAADwAAAAAAAAAAAAAAAAAAAkUAAAAAQAAABQAAAAUAAAAFAAAAAEAAAAAAAAAZAAAAGQAAAAAAAAAZAAAAGQAAAAVAAAAYAAAAAAAAAAAAAAADwAAACADAAAAAAAAAAAAAAEAAACgMgAAVgcAAKr4//8BAAAAf39/AAEAAABkAAAAAAAAABQAAABAHwAAAAAAACYAAAAAAAAAwOD//wAAAAAmAAAAZAAAABYAAABMAAAAAAAAAAAAAAAEAAAAAAAAAAEAAADu7OEKAAAAACgAAAAoAAAAZAAAAGQAAAAAAAAAzMzMAAAAAABQAAAAUAAAAGQAAABkAAAAAAAAABcAAAAUAAAAAAAAAAAAAAD/fwAA/38AAAAAAAAJAAAABAAAAAAAAAEeAAAAaAAAAAAAAAAAAAAAAAAAAAAAAAAAAAAAECcAABAnAAAAAAAAAAAAAAAAAAAAAAAAAAAAAAAAAAAAAAAAAAAAABQAAAAAAAAAwMD/AAAAAABkAAAAMgAAAAAAAABkAAAAAAAAAH9/fwAKAAAAIgAAABgAAAAAAAAAAAAAAAAAAAAAAAAAAAAAAAAAAAAkAAAAJAAAAAAAAAAHAAAAAAAAAAAAAAAAAAAAAAAAAAAAAAAAAAAAf39/ACUAAABYAAAAAAAAAAAAAAAAAAAAAAAAAAAAAAAAAAAAAAAAAAAAAAAAAAAAAAAAAAAAAAA/AAAAAAAAAKCGAQAAAAAAAAAAAAAAAAAMAAAAAQAAAAAAAAAAAAAAAAAAAB8AAABUAAAAT4G9Bf///wEAAAAAAAAAAAAAAAAAAAAAAAAAAAAAAAAAAAAAAAAAAAAAAAJ/f38A7uzhA8zMzADAwP8Af39/AAAAAAAAAAAAAAAAAAAAAAAAAAAAIQAAABgAAAAUAAAA0AIAANgJAAA8NwAAsCUAABAAAAAmAAAACAAAAAEAAAAAAAAA"/>
+                <pr:smNativeData xmlns:pr="smNativeData" xmlns="smNativeData" val="SMDATA_15_iunWYhMAAAAlAAAAZAAAAA0AAAAAkAAAAEgAAACQAAAASAAAAAAAAAAAAAAAAAAAAAEAAABQAAAAAAAAAAAA4D8AAAAAAADgPwAAAAAAAOA/AAAAAAAA4D8AAAAAAADgPwAAAAAAAOA/AAAAAAAA4D8AAAAAAADgPwAAAAAAAOA/AAAAAAAA4D8CAAAAjAAAAAAAAAAAAAAAT4G9DP///wgAAAAAAAAAAAAAAAAAAAAAAAAAAAAAAAAAAAAAZAAAAAEAAABAAAAAAAAAAAAAAAAAAAAAAAAAAAAAAAAAAAAAAAAAAAAAAAAAAAAAAAAAAAAAAAAAAAAAAAAAAAAAAAAAAAAAAAAAAAAAAAAAAAAAAAAAAAAAAAAAAAAAFAAAADwAAAAAAAAAAAAAAAAAAAkUAAAAAQAAABQAAAAUAAAAFAAAAAEAAAAAAAAAZAAAAGQAAAAAAAAAZAAAAGQAAAAVAAAAYAAAAAAAAAAAAAAADwAAACADAAAAAAAAAAAAAAEAAACgMgAAVgcAAKr4//8BAAAAf39/AAEAAABkAAAAAAAAABQAAABAHwAAAAAAACYAAAAAAAAAwOD//wAAAAAmAAAAZAAAABYAAABMAAAAAAAAAAAAAAAEAAAAAAAAAAEAAADu7OEKAAAAACgAAAAoAAAAZAAAAGQAAAAAAAAAzMzMAAAAAABQAAAAUAAAAGQAAABkAAAAAAAAABcAAAAUAAAAAAAAAAAAAAD/fwAA/38AAAAAAAAJAAAABAAAAAAAAAEeAAAAaAAAAAAAAAAAAAAAAAAAAAAAAAAAAAAAECcAABAnAAAAAAAAAAAAAAAAAAAAAAAAAAAAAAAAAAAAAAAAAAAAABQAAAAAAAAAwMD/AAAAAABkAAAAMgAAAAAAAABkAAAAAAAAAH9/fwAKAAAAIgAAABgAAAAAAAAAAAAAAAAAAAAAAAAAAAAAAAAAAAAkAAAAJAAAAAAAAAAHAAAAAAAAAAAAAAAAAAAAAAAAAAAAAAAAAAAAf39/ACUAAABYAAAAAAAAAAAAAAAAAAAAAAAAAAAAAAAAAAAAAAAAAAAAAAAAAAAAAAAAAAAAAAA/AAAAAAAAAKCGAQAAAAAAAAAAAAAAAAAMAAAAAQAAAAAAAAAAAAAAAAAAAB8AAABUAAAAT4G9Bf///wEAAAAAAAAAAAAAAAAAAAAAAAAAAAAAAAAAAAAAAAAAAAAAAAJ/f38A7uzhA8zMzADAwP8Af39/AAAAAAAAAAAAAAAAAAAAAAAAAAAAIQAAABgAAAAUAAAA0AIAANgJAAA8NwAAsCUAABAAAAAmAAAACAAAAAEAAAAAAAAA"/>
               </a:ext>
             </a:extLst>
           </p:cNvSpPr>
@@ -7080,7 +7054,7 @@
             <a:picLocks noChangeAspect="1"/>
             <a:extLst>
               <a:ext uri="smNativeData">
-                <pr:smNativeData xmlns:pr="smNativeData" xmlns="smNativeData" val="SMDATA_17_JtjWYhMAAAAlAAAAEQAAAC0AAAAAkAAAAEgAAACQAAAASAAAAAAAAAAAAAAAAAAAAAEAAABQAAAAAAAAAAAA4D8AAAAAAADgPwAAAAAAAOA/AAAAAAAA4D8AAAAAAADgPwAAAAAAAOA/AAAAAAAA4D8AAAAAAADgPwAAAAAAAOA/AAAAAAAA4D8CAAAAjAAAAAAAAAAAAAAAT4G9DP///wgAAAAAAAAAAAAAAAAAAAAAAAAAAAAAAAAAAAAAZAAAAAEAAABAAAAAAAAAAAAAAAAAAAAAAAAAAAAAAAAAAAAAAAAAAAAAAAAAAAAAAAAAAAAAAAAAAAAAAAAAAAAAAAAAAAAAAAAAAAAAAAAAAAAAAAAAAAAAAAAAAAAAFAAAADwAAAAAAAAAAAAAAAAAAAkUAAAAAQAAABQAAAAUAAAAFAAAAAEAAAAAAAAAZAAAAGQAAAAAAAAAZAAAAGQAAAAVAAAAYAAAAAAAAAAAAAAADwAAACADAAAAAAAAAAAAAAEAAACgMgAAVgcAAKr4//8BAAAAf39/AAEAAABkAAAAAAAAABQAAABAHwAAAAAAACYAAAAAAAAAwOD//wAAAAAmAAAAZAAAABYAAABMAAAAAAAAAAAAAAAEAAAAAAAAAAEAAADu7OEKAAAAACgAAAAoAAAAZAAAAGQAAAAAAAAAzMzMAAAAAABQAAAAUAAAAGQAAABkAAAAAAAAAAcAAAA4AAAAAAAAAAAAAAAAAAAA////AAAAAAAAAAAAAAAAAAAAAAAAAAAAAAAAAAAAAABkAAAAZAAAAAAAAAAjAAAABAAAAGQAAAAXAAAAFAAAAAAAAAAAAAAA/38AAP9/AAAAAAAACQAAAAQAAAAAAAABHgAAAGgAAAAAAAAAAAAAAAAAAAAAAAAAAAAAABAnAAAQJwAAAAAAAAAAAAAAAAAAAAAAAAAAAAAAAAAAAAAAAAAAAAAUAAAAAAAAAMDA/wAAAAAAZAAAADIAAAAAAAAAZAAAAAAAAAB/f38ACgAAACIAAAAYAAAAAAAAAAAAAAAAAAAAAAAAAAAAAAAAAAAAJAAAACQAAAAAAAAABwAAAAAAAAAAAAAAAAAAAAAAAAAAAAAAAAAAAH9/fwAlAAAAWAAAAAAAAAAAAAAAAAAAAAAAAAAAAAAAAAAAAAAAAAAAAAAAAAAAAAAAAAAAAAAAPwAAAAAAAACghgEAAAAAAAAAAAAAAAAADAAAAAEAAAAAAAAAAAAAAAAAAAAfAAAAVAAAAE+BvQX///8BAAAAAAAAAAAAAAAAAAAAAAAAAAAAAAAAAAAAAAAAAAAAAAACf39/AO7s4QPMzMwAwMD/AH9/fwAAAAAAAAAAAAAAAAD///8AAAAAACEAAAAYAAAAFAAAAAAAAAD1IQAAQDgAAOkpAAAQAAAAJgAAAAgAAAD//////////w=="/>
+                <pr:smNativeData xmlns:pr="smNativeData" xmlns="smNativeData" val="SMDATA_17_iunWYhMAAAAlAAAAEQAAAC0AAAAAkAAAAEgAAACQAAAASAAAAAAAAAAAAAAAAAAAAAEAAABQAAAAAAAAAAAA4D8AAAAAAADgPwAAAAAAAOA/AAAAAAAA4D8AAAAAAADgPwAAAAAAAOA/AAAAAAAA4D8AAAAAAADgPwAAAAAAAOA/AAAAAAAA4D8CAAAAjAAAAAAAAAAAAAAAT4G9DP///wgAAAAAAAAAAAAAAAAAAAAAAAAAAAAAAAAAAAAAZAAAAAEAAABAAAAAAAAAAAAAAAAAAAAAAAAAAAAAAAAAAAAAAAAAAAAAAAAAAAAAAAAAAAAAAAAAAAAAAAAAAAAAAAAAAAAAAAAAAAAAAAAAAAAAAAAAAAAAAAAAAAAAFAAAADwAAAAAAAAAAAAAAAAAAAkUAAAAAQAAABQAAAAUAAAAFAAAAAEAAAAAAAAAZAAAAGQAAAAAAAAAZAAAAGQAAAAVAAAAYAAAAAAAAAAAAAAADwAAACADAAAAAAAAAAAAAAEAAACgMgAAVgcAAKr4//8BAAAAf39/AAEAAABkAAAAAAAAABQAAABAHwAAAAAAACYAAAAAAAAAwOD//wAAAAAmAAAAZAAAABYAAABMAAAAAAAAAAAAAAAEAAAAAAAAAAEAAADu7OEKAAAAACgAAAAoAAAAZAAAAGQAAAAAAAAAzMzMAAAAAABQAAAAUAAAAGQAAABkAAAAAAAAAAcAAAA4AAAAAAAAAAAAAAAAAAAA////AAAAAAAAAAAAAAAAAAAAAAAAAAAAAAAAAAAAAABkAAAAZAAAAAAAAAAjAAAABAAAAGQAAAAXAAAAFAAAAAAAAAAAAAAA/38AAP9/AAAAAAAACQAAAAQAAAAAAAABHgAAAGgAAAAAAAAAAAAAAAAAAAAAAAAAAAAAABAnAAAQJwAAAAAAAAAAAAAAAAAAAAAAAAAAAAAAAAAAAAAAAAAAAAAUAAAAAAAAAMDA/wAAAAAAZAAAADIAAAAAAAAAZAAAAAAAAAB/f38ACgAAACIAAAAYAAAAAAAAAAAAAAAAAAAAAAAAAAAAAAAAAAAAJAAAACQAAAAAAAAABwAAAAAAAAAAAAAAAAAAAAAAAAAAAAAAAAAAAH9/fwAlAAAAWAAAAAAAAAAAAAAAAAAAAAAAAAAAAAAAAAAAAAAAAAAAAAAAAAAAAAAAAAAAAAAAPwAAAAAAAACghgEAAAAAAAAAAAAAAAAADAAAAAEAAAAAAAAAAAAAAAAAAAAfAAAAVAAAAE+BvQX///8BAAAAAAAAAAAAAAAAAAAAAAAAAAAAAAAAAAAAAAAAAAAAAAACf39/AO7s4QPMzMwAwMD/AH9/fwAAAAAAAAAAAAAAAAD///8AAAAAACEAAAAYAAAAFAAAAAAAAAD1IQAAQDgAAOkpAAAQAAAAJgAAAAgAAAD//////////w=="/>
               </a:ext>
             </a:extLst>
           </p:cNvPicPr>
@@ -7114,7 +7088,7 @@
             <a:picLocks noChangeAspect="1"/>
             <a:extLst>
               <a:ext uri="smNativeData">
-                <pr:smNativeData xmlns:pr="smNativeData" xmlns="smNativeData" val="SMDATA_17_JtjWYhMAAAAlAAAAEQAAAC0AAAAAkAAAAEgAAACQAAAASAAAAAAAAAAAAAAAAAAAAAEAAABQAAAAAAAAAAAA4D8AAAAAAADgPwAAAAAAAOA/AAAAAAAA4D8AAAAAAADgPwAAAAAAAOA/AAAAAAAA4D8AAAAAAADgPwAAAAAAAOA/AAAAAAAA4D8CAAAAjAAAAAAAAAAAAAAAT4G9DP///wgAAAAAAAAAAAAAAAAAAAAAAAAAAAAAAAAAAAAAZAAAAAEAAABAAAAAAAAAAAAAAAAAAAAAAAAAAAAAAAAAAAAAAAAAAAAAAAAAAAAAAAAAAAAAAAAAAAAAAAAAAAAAAAAAAAAAAAAAAAAAAAAAAAAAAAAAAAAAAAAAAAAAFAAAADwAAAAAAAAAAAAAAAAAAAkUAAAAAQAAABQAAAAUAAAAFAAAAAEAAAAAAAAAZAAAAGQAAAAAAAAAZAAAAGQAAAAVAAAAYAAAAAAAAAAAAAAADwAAACADAAAAAAAAAAAAAAEAAACgMgAAVgcAAKr4//8BAAAAf39/AAEAAABkAAAAAAAAABQAAABAHwAAAAAAACYAAAAAAAAAwOD//wAAAAAmAAAAZAAAABYAAABMAAAAAAAAAAAAAAAEAAAAAAAAAAEAAADu7OEKAAAAACgAAAAoAAAAZAAAAGQAAAAAAAAAzMzMAAAAAABQAAAAUAAAAGQAAABkAAAAAAAAAAcAAAA4AAAAAAAAAAAAAAAAAAAA////AAAAAAAAAAAAAAAAAAAAAAAAAAAAAAAAAAAAAABkAAAAZAAAAAAAAAAjAAAABAAAAGQAAAAXAAAAFAAAAAAAAAAAAAAA/38AAP9/AAAAAAAACQAAAAQAAAAAAAAAHgAAAGgAAAAAAAAAAAAAAAAAAAAAAAAAAAAAABAnAAAQJwAAAAAAAAAAAAAAAAAAAAAAAAAAAAAAAAAAAAAAAAAAAAAUAAAAAAAAAMDA/wAAAAAAZAAAADIAAAAAAAAAZAAAAAAAAAB/f38ACgAAACIAAAAYAAAAAAAAAAAAAAAAAAAAAAAAAAAAAAAAAAAAJAAAACQAAAAAAAAABwAAAAAAAAAAAAAAAAAAAAAAAAAAAAAAAAAAAH9/fwAlAAAAWAAAAAAAAAAAAAAAAAAAAAAAAAAAAAAAAAAAAAAAAAAAAAAAAAAAAAAAAAAAAAAAPwAAAAAAAACghgEAAAAAAAAAAAAAAAAADAAAAAEAAAAAAAAAAAAAAAAAAAAfAAAAVAAAAE+BvQX///8BAAAAAAAAAAAAAAAAAAAAAAAAAAAAAAAAAAAAAAAAAAAAAAACf39/AO7s4QPMzMwAwMD/AH9/fwAAAAAAAAAAAAAAAAD///8AAAAAACEAAAAYAAAAFAAAAJQHAACcEwAAUAoAAJQWAAAQAAAAJgAAAAgAAAD//////////w=="/>
+                <pr:smNativeData xmlns:pr="smNativeData" xmlns="smNativeData" val="SMDATA_17_iunWYhMAAAAlAAAAEQAAAC0AAAAAkAAAAEgAAACQAAAASAAAAAAAAAAAAAAAAAAAAAEAAABQAAAAAAAAAAAA4D8AAAAAAADgPwAAAAAAAOA/AAAAAAAA4D8AAAAAAADgPwAAAAAAAOA/AAAAAAAA4D8AAAAAAADgPwAAAAAAAOA/AAAAAAAA4D8CAAAAjAAAAAAAAAAAAAAAT4G9DP///wgAAAAAAAAAAAAAAAAAAAAAAAAAAAAAAAAAAAAAZAAAAAEAAABAAAAAAAAAAAAAAAAAAAAAAAAAAAAAAAAAAAAAAAAAAAAAAAAAAAAAAAAAAAAAAAAAAAAAAAAAAAAAAAAAAAAAAAAAAAAAAAAAAAAAAAAAAAAAAAAAAAAAFAAAADwAAAAAAAAAAAAAAAAAAAkUAAAAAQAAABQAAAAUAAAAFAAAAAEAAAAAAAAAZAAAAGQAAAAAAAAAZAAAAGQAAAAVAAAAYAAAAAAAAAAAAAAADwAAACADAAAAAAAAAAAAAAEAAACgMgAAVgcAAKr4//8BAAAAf39/AAEAAABkAAAAAAAAABQAAABAHwAAAAAAACYAAAAAAAAAwOD//wAAAAAmAAAAZAAAABYAAABMAAAAAAAAAAAAAAAEAAAAAAAAAAEAAADu7OEKAAAAACgAAAAoAAAAZAAAAGQAAAAAAAAAzMzMAAAAAABQAAAAUAAAAGQAAABkAAAAAAAAAAcAAAA4AAAAAAAAAAAAAAAAAAAA////AAAAAAAAAAAAAAAAAAAAAAAAAAAAAAAAAAAAAABkAAAAZAAAAAAAAAAjAAAABAAAAGQAAAAXAAAAFAAAAAAAAAAAAAAA/38AAP9/AAAAAAAACQAAAAQAAAAAAAAAHgAAAGgAAAAAAAAAAAAAAAAAAAAAAAAAAAAAABAnAAAQJwAAAAAAAAAAAAAAAAAAAAAAAAAAAAAAAAAAAAAAAAAAAAAUAAAAAAAAAMDA/wAAAAAAZAAAADIAAAAAAAAAZAAAAAAAAAB/f38ACgAAACIAAAAYAAAAAAAAAAAAAAAAAAAAAAAAAAAAAAAAAAAAJAAAACQAAAAAAAAABwAAAAAAAAAAAAAAAAAAAAAAAAAAAAAAAAAAAH9/fwAlAAAAWAAAAAAAAAAAAAAAAAAAAAAAAAAAAAAAAAAAAAAAAAAAAAAAAAAAAAAAAAAAAAAAPwAAAAAAAACghgEAAAAAAAAAAAAAAAAADAAAAAEAAAAAAAAAAAAAAAAAAAAfAAAAVAAAAE+BvQX///8BAAAAAAAAAAAAAAAAAAAAAAAAAAAAAAAAAAAAAAAAAAAAAAACf39/AO7s4QPMzMwAwMD/AH9/fwAAAAAAAAAAAAAAAAD///8AAAAAACEAAAAYAAAAFAAAAJQHAACcEwAAUAoAAJQWAAAQAAAAJgAAAAgAAAD//////////w=="/>
               </a:ext>
             </a:extLst>
           </p:cNvPicPr>
@@ -7148,7 +7122,7 @@
             <a:picLocks noChangeAspect="1"/>
             <a:extLst>
               <a:ext uri="smNativeData">
-                <pr:smNativeData xmlns:pr="smNativeData" xmlns="smNativeData" val="SMDATA_17_JtjWYhMAAAAlAAAAEQAAAC0AAAAAkAAAAEgAAACQAAAASAAAAAAAAAAAAAAAAAAAAAEAAABQAAAAAAAAAAAA4D8AAAAAAADgPwAAAAAAAOA/AAAAAAAA4D8AAAAAAADgPwAAAAAAAOA/AAAAAAAA4D8AAAAAAADgPwAAAAAAAOA/AAAAAAAA4D8CAAAAjAAAAAAAAAAAAAAAT4G9DP///wgAAAAAAAAAAAAAAAAAAAAAAAAAAAAAAAAAAAAAZAAAAAEAAABAAAAAAAAAAAAAAAAAAAAAAAAAAAAAAAAAAAAAAAAAAAAAAAAAAAAAAAAAAAAAAAAAAAAAAAAAAAAAAAAAAAAAAAAAAAAAAAAAAAAAAAAAAAAAAAAAAAAAFAAAADwAAAAAAAAAAAAAAAAAAAkUAAAAAQAAABQAAAAUAAAAFAAAAAEAAAAAAAAAZAAAAGQAAAAAAAAAZAAAAGQAAAAVAAAAYAAAAAAAAAAAAAAADwAAACADAAAAAAAAAAAAAAEAAACgMgAAVgcAAKr4//8BAAAAf39/AAEAAABkAAAAAAAAABQAAABAHwAAAAAAACYAAAAAAAAAwOD//wAAAAAmAAAAZAAAABYAAABMAAAAAAAAAAAAAAAEAAAAAAAAAAEAAADu7OEKAAAAACgAAAAoAAAAZAAAAGQAAAAAAAAAzMzMAAAAAABQAAAAUAAAAGQAAABkAAAAAAAAAAcAAAA4AAAAAAAAAAAAAAAAAAAA////AAAAAAAAAAAAAAAAAAAAAAAAAAAAAAAAAAAAAABkAAAAZAAAAAAAAAAjAAAABAAAAGQAAAAXAAAAFAAAAAAAAAAAAAAA/38AAP9/AAAAAAAACQAAAAQAAAAAAAAAHgAAAGgAAAAAAAAAAAAAAAAAAAAAAAAAAAAAABAnAAAQJwAAAAAAAAAAAAAAAAAAAAAAAAAAAAAAAAAAAAAAAAAAAAAUAAAAAAAAAMDA/wAAAAAAZAAAADIAAAAAAAAAZAAAAAAAAAB/f38ACgAAACIAAAAYAAAAAAAAAAAAAAAAAAAAAAAAAAAAAAAAAAAAJAAAACQAAAAAAAAABwAAAAAAAAAAAAAAAAAAAAAAAAAAAAAAAAAAAH9/fwAlAAAAWAAAAAAAAAAAAAAAAAAAAAAAAAAAAAAAAAAAAAAAAAAAAAAAAAAAAAAAAAAAAAAAPwAAAAAAAACghgEAAAAAAAAAAAAAAAAADAAAAAEAAAAAAAAAAAAAAAAAAAAfAAAAVAAAAE+BvQX///8BAAAAAAAAAAAAAAAAAAAAAAAAAAAAAAAAAAAAAAAAAAAAAAACf39/AO7s4QPMzMwAwMD/AH9/fwAAAAAAAAAAAAAAAAD///8AAAAAACEAAAAYAAAAFAAAAGwHAAA8GQAAUAoAAJQbAAAQAAAAJgAAAAgAAAD//////////w=="/>
+                <pr:smNativeData xmlns:pr="smNativeData" xmlns="smNativeData" val="SMDATA_17_iunWYhMAAAAlAAAAEQAAAC0AAAAAkAAAAEgAAACQAAAASAAAAAAAAAAAAAAAAAAAAAEAAABQAAAAAAAAAAAA4D8AAAAAAADgPwAAAAAAAOA/AAAAAAAA4D8AAAAAAADgPwAAAAAAAOA/AAAAAAAA4D8AAAAAAADgPwAAAAAAAOA/AAAAAAAA4D8CAAAAjAAAAAAAAAAAAAAAT4G9DP///wgAAAAAAAAAAAAAAAAAAAAAAAAAAAAAAAAAAAAAZAAAAAEAAABAAAAAAAAAAAAAAAAAAAAAAAAAAAAAAAAAAAAAAAAAAAAAAAAAAAAAAAAAAAAAAAAAAAAAAAAAAAAAAAAAAAAAAAAAAAAAAAAAAAAAAAAAAAAAAAAAAAAAFAAAADwAAAAAAAAAAAAAAAAAAAkUAAAAAQAAABQAAAAUAAAAFAAAAAEAAAAAAAAAZAAAAGQAAAAAAAAAZAAAAGQAAAAVAAAAYAAAAAAAAAAAAAAADwAAACADAAAAAAAAAAAAAAEAAACgMgAAVgcAAKr4//8BAAAAf39/AAEAAABkAAAAAAAAABQAAABAHwAAAAAAACYAAAAAAAAAwOD//wAAAAAmAAAAZAAAABYAAABMAAAAAAAAAAAAAAAEAAAAAAAAAAEAAADu7OEKAAAAACgAAAAoAAAAZAAAAGQAAAAAAAAAzMzMAAAAAABQAAAAUAAAAGQAAABkAAAAAAAAAAcAAAA4AAAAAAAAAAAAAAAAAAAA////AAAAAAAAAAAAAAAAAAAAAAAAAAAAAAAAAAAAAABkAAAAZAAAAAAAAAAjAAAABAAAAGQAAAAXAAAAFAAAAAAAAAAAAAAA/38AAP9/AAAAAAAACQAAAAQAAAAAAAAAHgAAAGgAAAAAAAAAAAAAAAAAAAAAAAAAAAAAABAnAAAQJwAAAAAAAAAAAAAAAAAAAAAAAAAAAAAAAAAAAAAAAAAAAAAUAAAAAAAAAMDA/wAAAAAAZAAAADIAAAAAAAAAZAAAAAAAAAB/f38ACgAAACIAAAAYAAAAAAAAAAAAAAAAAAAAAAAAAAAAAAAAAAAAJAAAACQAAAAAAAAABwAAAAAAAAAAAAAAAAAAAAAAAAAAAAAAAAAAAH9/fwAlAAAAWAAAAAAAAAAAAAAAAAAAAAAAAAAAAAAAAAAAAAAAAAAAAAAAAAAAAAAAAAAAAAAAPwAAAAAAAACghgEAAAAAAAAAAAAAAAAADAAAAAEAAAAAAAAAAAAAAAAAAAAfAAAAVAAAAE+BvQX///8BAAAAAAAAAAAAAAAAAAAAAAAAAAAAAAAAAAAAAAAAAAAAAAACf39/AO7s4QPMzMwAwMD/AH9/fwAAAAAAAAAAAAAAAAD///8AAAAAACEAAAAYAAAAFAAAAGwHAAA8GQAAUAoAAJQbAAAQAAAAJgAAAAgAAAD//////////w=="/>
               </a:ext>
             </a:extLst>
           </p:cNvPicPr>
@@ -7182,7 +7156,7 @@
             <a:picLocks noChangeAspect="1"/>
             <a:extLst>
               <a:ext uri="smNativeData">
-                <pr:smNativeData xmlns:pr="smNativeData" xmlns="smNativeData" val="SMDATA_17_JtjWYhMAAAAlAAAAEQAAAC0AAAAAkAAAAEgAAACQAAAASAAAAAAAAAAAAAAAAAAAAAEAAABQAAAAAAAAAAAA4D8AAAAAAADgPwAAAAAAAOA/AAAAAAAA4D8AAAAAAADgPwAAAAAAAOA/AAAAAAAA4D8AAAAAAADgPwAAAAAAAOA/AAAAAAAA4D8CAAAAjAAAAAAAAAAAAAAAT4G9DP///wgAAAAAAAAAAAAAAAAAAAAAAAAAAAAAAAAAAAAAZAAAAAEAAABAAAAAAAAAAAAAAAAAAAAAAAAAAAAAAAAAAAAAAAAAAAAAAAAAAAAAAAAAAAAAAAAAAAAAAAAAAAAAAAAAAAAAAAAAAAAAAAAAAAAAAAAAAAAAAAAAAAAAFAAAADwAAAAAAAAAAAAAAAAAAAkUAAAAAQAAABQAAAAUAAAAFAAAAAEAAAAAAAAAZAAAAGQAAAAAAAAAZAAAAGQAAAAVAAAAYAAAAAAAAAAAAAAADwAAACADAAAAAAAAAAAAAAEAAACgMgAAVgcAAKr4//8BAAAAf39/AAEAAABkAAAAAAAAABQAAABAHwAAAAAAACYAAAAAAAAAwOD//wAAAAAmAAAAZAAAABYAAABMAAAAAAAAAAAAAAAEAAAAAAAAAAEAAADu7OEKAAAAACgAAAAoAAAAZAAAAGQAAAAAAAAAzMzMAAAAAABQAAAAUAAAAGQAAABkAAAAAAAAAAcAAAA4AAAAAAAAAAAAAAAAAAAA////AAAAAAAAAAAAAAAAAAAAAAAAAAAAAAAAAAAAAABkAAAAZAAAAAAAAAAjAAAABAAAAGQAAAAXAAAAFAAAAAAAAAAAAAAA/38AAP9/AAAAAAAACQAAAAQAAAAAAAAAHgAAAGgAAAAAAAAAAAAAAAAAAAAAAAAAAAAAABAnAAAQJwAAAAAAAAAAAAAAAAAAAAAAAAAAAAAAAAAAAAAAAAAAAAAUAAAAAAAAAMDA/wAAAAAAZAAAADIAAAAAAAAAZAAAAAAAAAB/f38ACgAAACIAAAAYAAAAAAAAAAAAAAAAAAAAAAAAAAAAAAAAAAAAJAAAACQAAAAAAAAABwAAAAAAAAAAAAAAAAAAAAAAAAAAAAAAAAAAAH9/fwAlAAAAWAAAAAAAAAAAAAAAAAAAAAAAAAAAAAAAAAAAAAAAAAAAAAAAAAAAAAAAAAAAAAAAPwAAAAAAAACghgEAAAAAAAAAAAAAAAAADAAAAAEAAAAAAAAAAAAAAAAAAAAfAAAAVAAAAE+BvQX///8BAAAAAAAAAAAAAAAAAAAAAAAAAAAAAAAAAAAAAAAAAAAAAAACf39/AO7s4QPMzMwAwMD/AH9/fwAAAAAAAAAAAAAAAAD///8AAAAAACEAAAAYAAAAFAAAAIAHAACUFgAAKAoAAOwYAAAQAAAAJgAAAAgAAAD//////////w=="/>
+                <pr:smNativeData xmlns:pr="smNativeData" xmlns="smNativeData" val="SMDATA_17_iunWYhMAAAAlAAAAEQAAAC0AAAAAkAAAAEgAAACQAAAASAAAAAAAAAAAAAAAAAAAAAEAAABQAAAAAAAAAAAA4D8AAAAAAADgPwAAAAAAAOA/AAAAAAAA4D8AAAAAAADgPwAAAAAAAOA/AAAAAAAA4D8AAAAAAADgPwAAAAAAAOA/AAAAAAAA4D8CAAAAjAAAAAAAAAAAAAAAT4G9DP///wgAAAAAAAAAAAAAAAAAAAAAAAAAAAAAAAAAAAAAZAAAAAEAAABAAAAAAAAAAAAAAAAAAAAAAAAAAAAAAAAAAAAAAAAAAAAAAAAAAAAAAAAAAAAAAAAAAAAAAAAAAAAAAAAAAAAAAAAAAAAAAAAAAAAAAAAAAAAAAAAAAAAAFAAAADwAAAAAAAAAAAAAAAAAAAkUAAAAAQAAABQAAAAUAAAAFAAAAAEAAAAAAAAAZAAAAGQAAAAAAAAAZAAAAGQAAAAVAAAAYAAAAAAAAAAAAAAADwAAACADAAAAAAAAAAAAAAEAAACgMgAAVgcAAKr4//8BAAAAf39/AAEAAABkAAAAAAAAABQAAABAHwAAAAAAACYAAAAAAAAAwOD//wAAAAAmAAAAZAAAABYAAABMAAAAAAAAAAAAAAAEAAAAAAAAAAEAAADu7OEKAAAAACgAAAAoAAAAZAAAAGQAAAAAAAAAzMzMAAAAAABQAAAAUAAAAGQAAABkAAAAAAAAAAcAAAA4AAAAAAAAAAAAAAAAAAAA////AAAAAAAAAAAAAAAAAAAAAAAAAAAAAAAAAAAAAABkAAAAZAAAAAAAAAAjAAAABAAAAGQAAAAXAAAAFAAAAAAAAAAAAAAA/38AAP9/AAAAAAAACQAAAAQAAAAAAAAAHgAAAGgAAAAAAAAAAAAAAAAAAAAAAAAAAAAAABAnAAAQJwAAAAAAAAAAAAAAAAAAAAAAAAAAAAAAAAAAAAAAAAAAAAAUAAAAAAAAAMDA/wAAAAAAZAAAADIAAAAAAAAAZAAAAAAAAAB/f38ACgAAACIAAAAYAAAAAAAAAAAAAAAAAAAAAAAAAAAAAAAAAAAAJAAAACQAAAAAAAAABwAAAAAAAAAAAAAAAAAAAAAAAAAAAAAAAAAAAH9/fwAlAAAAWAAAAAAAAAAAAAAAAAAAAAAAAAAAAAAAAAAAAAAAAAAAAAAAAAAAAAAAAAAAAAAAPwAAAAAAAACghgEAAAAAAAAAAAAAAAAADAAAAAEAAAAAAAAAAAAAAAAAAAAfAAAAVAAAAE+BvQX///8BAAAAAAAAAAAAAAAAAAAAAAAAAAAAAAAAAAAAAAAAAAAAAAACf39/AO7s4QPMzMwAwMD/AH9/fwAAAAAAAAAAAAAAAAD///8AAAAAACEAAAAYAAAAFAAAAIAHAACUFgAAKAoAAOwYAAAQAAAAJgAAAAgAAAD//////////w=="/>
               </a:ext>
             </a:extLst>
           </p:cNvPicPr>
@@ -7216,7 +7190,7 @@
             <a:picLocks noChangeAspect="1"/>
             <a:extLst>
               <a:ext uri="smNativeData">
-                <pr:smNativeData xmlns:pr="smNativeData" xmlns="smNativeData" val="SMDATA_17_JtjWYhMAAAAlAAAAEQAAAC0AAAAAkAAAAEgAAACQAAAASAAAAAAAAAAAAAAAAAAAAAEAAABQAAAAAAAAAAAA4D8AAAAAAADgPwAAAAAAAOA/AAAAAAAA4D8AAAAAAADgPwAAAAAAAOA/AAAAAAAA4D8AAAAAAADgPwAAAAAAAOA/AAAAAAAA4D8CAAAAjAAAAAAAAAAAAAAAT4G9DP///wgAAAAAAAAAAAAAAAAAAAAAAAAAAAAAAAAAAAAAZAAAAAEAAABAAAAAAAAAAAAAAAAAAAAAAAAAAAAAAAAAAAAAAAAAAAAAAAAAAAAAAAAAAAAAAAAAAAAAAAAAAAAAAAAAAAAAAAAAAAAAAAAAAAAAAAAAAAAAAAAAAAAAFAAAADwAAAAAAAAAAAAAAAAAAAkUAAAAAQAAABQAAAAUAAAAFAAAAAEAAAAAAAAAZAAAAGQAAAAAAAAAZAAAAGQAAAAVAAAAYAAAAAAAAAAAAAAADwAAACADAAAAAAAAAAAAAAEAAACgMgAAVgcAAKr4//8BAAAAf39/AAEAAABkAAAAAAAAABQAAABAHwAAAAAAACYAAAAAAAAAwOD//wAAAAAmAAAAZAAAABYAAABMAAAAAAAAAAAAAAAEAAAAAAAAAAEAAADu7OEKAAAAACgAAAAoAAAAZAAAAGQAAAAAAAAAzMzMAAAAAABQAAAAUAAAAGQAAABkAAAAAAAAAAcAAAA4AAAAAAAAAAAAAAAAAAAA////AAAAAAAAAAAAAAAAAAAAAAAAAAAAAAAAAAAAAABkAAAAZAAAAAAAAAAjAAAABAAAAGQAAAAXAAAAFAAAAAAAAAAAAAAA/38AAP9/AAAAAAAACQAAAAQAAAAAAAAAHgAAAGgAAAAAAAAAAAAAAAAAAAAAAAAAAAAAABAnAAAQJwAAAAAAAAAAAAAAAAAAAAAAAAAAAAAAAAAAAAAAAAAAAAAUAAAAAAAAAMDA/wAAAAAAZAAAADIAAAAAAAAAZAAAAAAAAAB/f38ACgAAACIAAAAYAAAAAAAAAAAAAAAAAAAAAAAAAAAAAAAAAAAAJAAAACQAAAAAAAAABwAAAAAAAAAAAAAAAAAAAAAAAAAAAAAAAAAAAH9/fwAlAAAAWAAAAAAAAAAAAAAAAAAAAAAAAAAAAAAAAAAAAAAAAAAAAAAAAAAAAAAAAAAAAAAAPwAAAAAAAACghgEAAAAAAAAAAAAAAAAADAAAAAEAAAAAAAAAAAAAAAAAAAAfAAAAVAAAAE+BvQX///8BAAAAAAAAAAAAAAAAAAAAAAAAAAAAAAAAAAAAAAAAAAAAAAACf39/AO7s4QPMzMwAwMD/AH9/fwAAAAAAAAAAAAAAAAD///8AAAAAACEAAAAYAAAAFAAAADwFAAA8GQAA0AcAAKgbAAAQAAAAJgAAAAgAAAD//////////w=="/>
+                <pr:smNativeData xmlns:pr="smNativeData" xmlns="smNativeData" val="SMDATA_17_iunWYhMAAAAlAAAAEQAAAC0AAAAAkAAAAEgAAACQAAAASAAAAAAAAAAAAAAAAAAAAAEAAABQAAAAAAAAAAAA4D8AAAAAAADgPwAAAAAAAOA/AAAAAAAA4D8AAAAAAADgPwAAAAAAAOA/AAAAAAAA4D8AAAAAAADgPwAAAAAAAOA/AAAAAAAA4D8CAAAAjAAAAAAAAAAAAAAAT4G9DP///wgAAAAAAAAAAAAAAAAAAAAAAAAAAAAAAAAAAAAAZAAAAAEAAABAAAAAAAAAAAAAAAAAAAAAAAAAAAAAAAAAAAAAAAAAAAAAAAAAAAAAAAAAAAAAAAAAAAAAAAAAAAAAAAAAAAAAAAAAAAAAAAAAAAAAAAAAAAAAAAAAAAAAFAAAADwAAAAAAAAAAAAAAAAAAAkUAAAAAQAAABQAAAAUAAAAFAAAAAEAAAAAAAAAZAAAAGQAAAAAAAAAZAAAAGQAAAAVAAAAYAAAAAAAAAAAAAAADwAAACADAAAAAAAAAAAAAAEAAACgMgAAVgcAAKr4//8BAAAAf39/AAEAAABkAAAAAAAAABQAAABAHwAAAAAAACYAAAAAAAAAwOD//wAAAAAmAAAAZAAAABYAAABMAAAAAAAAAAAAAAAEAAAAAAAAAAEAAADu7OEKAAAAACgAAAAoAAAAZAAAAGQAAAAAAAAAzMzMAAAAAABQAAAAUAAAAGQAAABkAAAAAAAAAAcAAAA4AAAAAAAAAAAAAAAAAAAA////AAAAAAAAAAAAAAAAAAAAAAAAAAAAAAAAAAAAAABkAAAAZAAAAAAAAAAjAAAABAAAAGQAAAAXAAAAFAAAAAAAAAAAAAAA/38AAP9/AAAAAAAACQAAAAQAAAAAAAAAHgAAAGgAAAAAAAAAAAAAAAAAAAAAAAAAAAAAABAnAAAQJwAAAAAAAAAAAAAAAAAAAAAAAAAAAAAAAAAAAAAAAAAAAAAUAAAAAAAAAMDA/wAAAAAAZAAAADIAAAAAAAAAZAAAAAAAAAB/f38ACgAAACIAAAAYAAAAAAAAAAAAAAAAAAAAAAAAAAAAAAAAAAAAJAAAACQAAAAAAAAABwAAAAAAAAAAAAAAAAAAAAAAAAAAAAAAAAAAAH9/fwAlAAAAWAAAAAAAAAAAAAAAAAAAAAAAAAAAAAAAAAAAAAAAAAAAAAAAAAAAAAAAAAAAAAAAPwAAAAAAAACghgEAAAAAAAAAAAAAAAAADAAAAAEAAAAAAAAAAAAAAAAAAAAfAAAAVAAAAE+BvQX///8BAAAAAAAAAAAAAAAAAAAAAAAAAAAAAAAAAAAAAAAAAAAAAAACf39/AO7s4QPMzMwAwMD/AH9/fwAAAAAAAAAAAAAAAAD///8AAAAAACEAAAAYAAAAFAAAADwFAAA8GQAA0AcAAKgbAAAQAAAAJgAAAAgAAAD//////////w=="/>
               </a:ext>
             </a:extLst>
           </p:cNvPicPr>
@@ -7282,7 +7256,7 @@
             <a:spLocks noGrp="1" noChangeArrowheads="1"/>
             <a:extLst>
               <a:ext uri="smNativeData">
-                <pr:smNativeData xmlns:pr="smNativeData" xmlns="smNativeData" val="SMDATA_15_JtjWYhMAAAAlAAAAZAAAAA0AAAAAkAAAAEgAAACQAAAASAAAAAAAAAABAAAAAAAAAAEAAABQAAAAAAAAAAAA4D8AAAAAAADgPwAAAAAAAOA/AAAAAAAA4D8AAAAAAADgPwAAAAAAAOA/AAAAAAAA4D8AAAAAAADgPwAAAAAAAOA/AAAAAAAA4D8CAAAAjAAAAAAAAAAAAAAAT4G9DP///wgAAAAAAAAAAAAAAAAAAAAAAAAAAAAAAAAAAAAAZAAAAAEAAABAAAAAAAAAAAAAAAAAAAAAAAAAAAAAAAAAAAAAAAAAAAAAAAAAAAAAAAAAAAAAAAAAAAAAAAAAAAAAAAAAAAAAAAAAAAAAAAAAAAAAAAAAAAAAAAAAAAAAFAAAADwAAAAAAAAAAAAAAAAAAAkUAAAAAQAAABQAAAAUAAAAFAAAAAEAAAAAAAAAZAAAAGQAAAAAAAAAZAAAAGQAAAAVAAAAYAAAAAAAAAAAAAAADwAAACADAAAAAAAAAAAAAAEAAACgMgAAVgcAAKr4//8BAAAAf39/AAEAAABkAAAAAAAAABQAAABAHwAAAAAAACYAAAAAAAAAwOD//wAAAAAmAAAAZAAAABYAAABMAAAAAAAAAAAAAAAEAAAAAAAAAAEAAADu7OEKAAAAACgAAAAoAAAAZAAAAGQAAAAAAAAAzMzMAAAAAABQAAAAUAAAAGQAAABkAAAAAAAAABcAAAAUAAAAAAAAAAAAAAD/fwAA/38AAAAAAAAJAAAABAAAAAAAAAAeAAAAaAAAAAAAAAAAAAAAAAAAAAAAAAAAAAAAECcAABAnAAAAAAAAAAAAAAAAAAAAAAAAAAAAAAAAAAAAAAAAAAAAABQAAAAAAAAAwMD/AAAAAABkAAAAMgAAAAAAAABkAAAAAAAAAH9/fwAKAAAAIgAAABgAAAAAAAAAAAAAAAAAAAAAAAAAAAAAAAAAAAAkAAAAJAAAAAAAAAAHAAAAAAAAAAAAAAAAAAAAAAAAAAAAAAAAAAAAf39/ACUAAABYAAAAAAAAAAAAAAAAAAAAAAAAAAAAAAAAAAAAAAAAAAAAAAAAAAAAAAAAAAAAAAA/AAAAAAAAAKCGAQAAAAAAAAAAAAAAAAAMAAAAAQAAAAAAAAAAAAAAAAAAAB8AAABUAAAAT4G9Bf///wEAAAAAAAAAAAAAAAAAAAAAAAAAAAAAAAAAAAAAAAAAAAAAAAJ/f38A7uzhA8zMzADAwP8Af39/AAAAAAAAAAAAAAAAAAAAAAAAAAAAIQAAABgAAAAUAAAA0AIAALEBAABwNQAAuQgAABAAAAAmAAAACAAAAAAAAAAAAAAA"/>
+                <pr:smNativeData xmlns:pr="smNativeData" xmlns="smNativeData" val="SMDATA_15_iunWYhMAAAAlAAAAZAAAAA0AAAAAkAAAAEgAAACQAAAASAAAAAAAAAABAAAAAAAAAAEAAABQAAAAAAAAAAAA4D8AAAAAAADgPwAAAAAAAOA/AAAAAAAA4D8AAAAAAADgPwAAAAAAAOA/AAAAAAAA4D8AAAAAAADgPwAAAAAAAOA/AAAAAAAA4D8CAAAAjAAAAAAAAAAAAAAAT4G9DP///wgAAAAAAAAAAAAAAAAAAAAAAAAAAAAAAAAAAAAAZAAAAAEAAABAAAAAAAAAAAAAAAAAAAAAAAAAAAAAAAAAAAAAAAAAAAAAAAAAAAAAAAAAAAAAAAAAAAAAAAAAAAAAAAAAAAAAAAAAAAAAAAAAAAAAAAAAAAAAAAAAAAAAFAAAADwAAAAAAAAAAAAAAAAAAAkUAAAAAQAAABQAAAAUAAAAFAAAAAEAAAAAAAAAZAAAAGQAAAAAAAAAZAAAAGQAAAAVAAAAYAAAAAAAAAAAAAAADwAAACADAAAAAAAAAAAAAAEAAACgMgAAVgcAAKr4//8BAAAAf39/AAEAAABkAAAAAAAAABQAAABAHwAAAAAAACYAAAAAAAAAwOD//wAAAAAmAAAAZAAAABYAAABMAAAAAAAAAAAAAAAEAAAAAAAAAAEAAADu7OEKAAAAACgAAAAoAAAAZAAAAGQAAAAAAAAAzMzMAAAAAABQAAAAUAAAAGQAAABkAAAAAAAAABcAAAAUAAAAAAAAAAAAAAD/fwAA/38AAAAAAAAJAAAABAAAAAAAAAAeAAAAaAAAAAAAAAAAAAAAAAAAAAAAAAAAAAAAECcAABAnAAAAAAAAAAAAAAAAAAAAAAAAAAAAAAAAAAAAAAAAAAAAABQAAAAAAAAAwMD/AAAAAABkAAAAMgAAAAAAAABkAAAAAAAAAH9/fwAKAAAAIgAAABgAAAAAAAAAAAAAAAAAAAAAAAAAAAAAAAAAAAAkAAAAJAAAAAAAAAAHAAAAAAAAAAAAAAAAAAAAAAAAAAAAAAAAAAAAf39/ACUAAABYAAAAAAAAAAAAAAAAAAAAAAAAAAAAAAAAAAAAAAAAAAAAAAAAAAAAAAAAAAAAAAA/AAAAAAAAAKCGAQAAAAAAAAAAAAAAAAAMAAAAAQAAAAAAAAAAAAAAAAAAAB8AAABUAAAAT4G9Bf///wEAAAAAAAAAAAAAAAAAAAAAAAAAAAAAAAAAAAAAAAAAAAAAAAJ/f38A7uzhA8zMzADAwP8Af39/AAAAAAAAAAAAAAAAAAAAAAAAAAAAIQAAABgAAAAUAAAA0AIAALEBAABwNQAAuQgAABAAAAAmAAAACAAAAAAAAAAAAAAA"/>
               </a:ext>
             </a:extLst>
           </p:cNvSpPr>
@@ -7311,7 +7285,7 @@
             <a:spLocks noGrp="1" noChangeArrowheads="1"/>
             <a:extLst>
               <a:ext uri="smNativeData">
-                <pr:smNativeData xmlns:pr="smNativeData" xmlns="smNativeData" val="SMDATA_15_JtjWYhMAAAAlAAAAZAAAAA0AAAAAkAAAAEgAAACQAAAASAAAAAAAAAAAAAAAAAAAAAEAAABQAAAAAAAAAAAA4D8AAAAAAADgPwAAAAAAAOA/AAAAAAAA4D8AAAAAAADgPwAAAAAAAOA/AAAAAAAA4D8AAAAAAADgPwAAAAAAAOA/AAAAAAAA4D8CAAAAjAAAAAAAAAAAAAAAT4G9DP///wgAAAAAAAAAAAAAAAAAAAAAAAAAAAAAAAAAAAAAZAAAAAEAAABAAAAAAAAAAAAAAAAAAAAAAAAAAAAAAAAAAAAAAAAAAAAAAAAAAAAAAAAAAAAAAAAAAAAAAAAAAAAAAAAAAAAAAAAAAAAAAAAAAAAAAAAAAAAAAAAAAAAAFAAAADwAAAAAAAAAAAAAAAAAAAkUAAAAAQAAABQAAAAUAAAAFAAAAAEAAAAAAAAAZAAAAGQAAAAAAAAAZAAAAGQAAAAVAAAAYAAAAAAAAAAAAAAADwAAACADAAAAAAAAAAAAAAEAAACgMgAAVgcAAKr4//8BAAAAf39/AAEAAABkAAAAAAAAABQAAABAHwAAAAAAACYAAAAAAAAAwOD//wAAAAAmAAAAZAAAABYAAABMAAAAAAAAAAAAAAAEAAAAAAAAAAEAAADu7OEKAAAAACgAAAAoAAAAZAAAAGQAAAAAAAAAzMzMAAAAAABQAAAAUAAAAGQAAABkAAAAAAAAABcAAAAUAAAAAAAAAAAAAAD/fwAA/38AAAAAAAAJAAAABAAAAAAAAAAeAAAAaAAAAAAAAAAAAAAAAAAAAAAAAAAAAAAAECcAABAnAAAAAAAAAAAAAAAAAAAAAAAAAAAAAAAAAAAAAAAAAAAAABQAAAAAAAAAwMD/AAAAAABkAAAAMgAAAAAAAABkAAAAAAAAAH9/fwAKAAAAIgAAABgAAAAAAAAAAAAAAAAAAAAAAAAAAAAAAAAAAAAkAAAAJAAAAAAAAAAHAAAAAAAAAAAAAAAAAAAAAAAAAAAAAAAAAAAAf39/ACUAAABYAAAAAAAAAAAAAAAAAAAAAAAAAAAAAAAAAAAAAAAAAAAAAAAAAAAAAAAAAAAAAAA/AAAAAAAAAKCGAQAAAAAAAAAAAAAAAAAMAAAAAQAAAAAAAAAAAAAAAAAAAB8AAABUAAAAT4G9Bf///wEAAAAAAAAAAAAAAAAAAAAAAAAAAAAAAAAAAAAAAAAAAAAAAAJ/f38A7uzhA8zMzADAwP8Af39/AAAAAAAAAAAAAAAAAAAAAAAAAAAAIQAAABgAAAAUAAAA0AIAANgJAABwNQAAMCoAABAAAAAmAAAACAAAAAEgAAAAAAAA"/>
+                <pr:smNativeData xmlns:pr="smNativeData" xmlns="smNativeData" val="SMDATA_15_iunWYhMAAAAlAAAAZAAAAA0AAAAAkAAAAEgAAACQAAAASAAAAAAAAAAAAAAAAAAAAAEAAABQAAAAAAAAAAAA4D8AAAAAAADgPwAAAAAAAOA/AAAAAAAA4D8AAAAAAADgPwAAAAAAAOA/AAAAAAAA4D8AAAAAAADgPwAAAAAAAOA/AAAAAAAA4D8CAAAAjAAAAAAAAAAAAAAAT4G9DP///wgAAAAAAAAAAAAAAAAAAAAAAAAAAAAAAAAAAAAAZAAAAAEAAABAAAAAAAAAAAAAAAAAAAAAAAAAAAAAAAAAAAAAAAAAAAAAAAAAAAAAAAAAAAAAAAAAAAAAAAAAAAAAAAAAAAAAAAAAAAAAAAAAAAAAAAAAAAAAAAAAAAAAFAAAADwAAAAAAAAAAAAAAAAAAAkUAAAAAQAAABQAAAAUAAAAFAAAAAEAAAAAAAAAZAAAAGQAAAAAAAAAZAAAAGQAAAAVAAAAYAAAAAAAAAAAAAAADwAAACADAAAAAAAAAAAAAAEAAACgMgAAVgcAAKr4//8BAAAAf39/AAEAAABkAAAAAAAAABQAAABAHwAAAAAAACYAAAAAAAAAwOD//wAAAAAmAAAAZAAAABYAAABMAAAAAAAAAAAAAAAEAAAAAAAAAAEAAADu7OEKAAAAACgAAAAoAAAAZAAAAGQAAAAAAAAAzMzMAAAAAABQAAAAUAAAAGQAAABkAAAAAAAAABcAAAAUAAAAAAAAAAAAAAD/fwAA/38AAAAAAAAJAAAABAAAAAAAAAAeAAAAaAAAAAAAAAAAAAAAAAAAAAAAAAAAAAAAECcAABAnAAAAAAAAAAAAAAAAAAAAAAAAAAAAAAAAAAAAAAAAAAAAABQAAAAAAAAAwMD/AAAAAABkAAAAMgAAAAAAAABkAAAAAAAAAH9/fwAKAAAAIgAAABgAAAAAAAAAAAAAAAAAAAAAAAAAAAAAAAAAAAAkAAAAJAAAAAAAAAAHAAAAAAAAAAAAAAAAAAAAAAAAAAAAAAAAAAAAf39/ACUAAABYAAAAAAAAAAAAAAAAAAAAAAAAAAAAAAAAAAAAAAAAAAAAAAAAAAAAAAAAAAAAAAA/AAAAAAAAAKCGAQAAAAAAAAAAAAAAAAAMAAAAAQAAAAAAAAAAAAAAAAAAAB8AAABUAAAAT4G9Bf///wEAAAAAAAAAAAAAAAAAAAAAAAAAAAAAAAAAAAAAAAAAAAAAAAJ/f38A7uzhA8zMzADAwP8Af39/AAAAAAAAAAAAAAAAAAAAAAAAAAAAIQAAABgAAAAUAAAA0AIAANgJAABwNQAAMCoAABAAAAAmAAAACAAAAAEgAAAAAAAA"/>
               </a:ext>
             </a:extLst>
           </p:cNvSpPr>
@@ -7409,7 +7383,7 @@
             <a:picLocks noChangeAspect="1"/>
             <a:extLst>
               <a:ext uri="smNativeData">
-                <pr:smNativeData xmlns:pr="smNativeData" xmlns="smNativeData" val="SMDATA_17_JtjWYhMAAAAlAAAAEQAAAC0AAAAAkAAAAEgAAACQAAAASAAAAAAAAAAAAAAAAAAAAAEAAABQAAAAAAAAAAAA4D8AAAAAAADgPwAAAAAAAOA/AAAAAAAA4D8AAAAAAADgPwAAAAAAAOA/AAAAAAAA4D8AAAAAAADgPwAAAAAAAOA/AAAAAAAA4D8CAAAAjAAAAAAAAAAAAAAAT4G9DP///wgAAAAAAAAAAAAAAAAAAAAAAAAAAAAAAAAAAAAAZAAAAAEAAABAAAAAAAAAAAAAAAAAAAAAAAAAAAAAAAAAAAAAAAAAAAAAAAAAAAAAAAAAAAAAAAAAAAAAAAAAAAAAAAAAAAAAAAAAAAAAAAAAAAAAAAAAAAAAAAAAAAAAFAAAADwAAAAAAAAAAAAAAAAAAAkUAAAAAQAAABQAAAAUAAAAFAAAAAEAAAAAAAAAZAAAAGQAAAAAAAAAZAAAAGQAAAAVAAAAYAAAAAAAAAAAAAAADwAAACADAAAAAAAAAAAAAAEAAACgMgAAVgcAAKr4//8BAAAAf39/AAEAAABkAAAAAAAAABQAAABAHwAAAAAAACYAAAAAAAAAwOD//wAAAAAmAAAAZAAAABYAAABMAAAAAAAAAAAAAAAEAAAAAAAAAAEAAADu7OEKAAAAACgAAAAoAAAAZAAAAGQAAAAAAAAAzMzMAAAAAABQAAAAUAAAAGQAAABkAAAAAAAAAAcAAAA4AAAAAAAAAAAAAAAAAAAA////AAAAAAAAAAAAAAAAAAAAAAAAAAAAAAAAAAAAAABkAAAAZAAAAAAAAAAjAAAABAAAAGQAAAAXAAAAFAAAAAAAAAAAAAAA/38AAP9/AAAAAAAACQAAAAQAAAAAAAAAHgAAAGgAAAAAAAAAAAAAAAAAAAAAAAAAAAAAABAnAAAQJwAAAAAAAAAAAAAAAAAAAAAAAAAAAAAAAAAAAAAAAAAAAAAUAAAAAAAAAMDA/wAAAAAAZAAAADIAAAAAAAAAZAAAAAAAAAB/f38ACgAAACIAAAAYAAAAAAAAAAAAAAAAAAAAAAAAAAAAAAAAAAAAJAAAACQAAAAAAAAABwAAAAAAAAAAAAAAAAAAAAAAAAAAAAAAAAAAAH9/fwAlAAAAWAAAAAAAAAAAAAAAAAAAAAAAAAAAAAAAAAAAAAAAAAAAAAAAAAAAAAAAAAAAAAAAPwAAAAAAAACghgEAAAAAAAAAAAAAAAAADAAAAAEAAAAAAAAAAAAAAAAAAAAfAAAAVAAAAE+BvQX///8BAAAAAAAAAAAAAAAAAAAAAAAAAAAAAAAAAAAAAAAAAAAAAAACf39/AO7s4QPMzMwAwMD/AH9/fwAAAAAAAAAAAAAAAAD///8AAAAAACEAAAAYAAAAFAAAAOgNAADICgAAgBsAAOQMAAAQAAAAJgAAAAgAAAD//////////w=="/>
+                <pr:smNativeData xmlns:pr="smNativeData" xmlns="smNativeData" val="SMDATA_17_iunWYhMAAAAlAAAAEQAAAC0AAAAAkAAAAEgAAACQAAAASAAAAAAAAAAAAAAAAAAAAAEAAABQAAAAAAAAAAAA4D8AAAAAAADgPwAAAAAAAOA/AAAAAAAA4D8AAAAAAADgPwAAAAAAAOA/AAAAAAAA4D8AAAAAAADgPwAAAAAAAOA/AAAAAAAA4D8CAAAAjAAAAAAAAAAAAAAAT4G9DP///wgAAAAAAAAAAAAAAAAAAAAAAAAAAAAAAAAAAAAAZAAAAAEAAABAAAAAAAAAAAAAAAAAAAAAAAAAAAAAAAAAAAAAAAAAAAAAAAAAAAAAAAAAAAAAAAAAAAAAAAAAAAAAAAAAAAAAAAAAAAAAAAAAAAAAAAAAAAAAAAAAAAAAFAAAADwAAAAAAAAAAAAAAAAAAAkUAAAAAQAAABQAAAAUAAAAFAAAAAEAAAAAAAAAZAAAAGQAAAAAAAAAZAAAAGQAAAAVAAAAYAAAAAAAAAAAAAAADwAAACADAAAAAAAAAAAAAAEAAACgMgAAVgcAAKr4//8BAAAAf39/AAEAAABkAAAAAAAAABQAAABAHwAAAAAAACYAAAAAAAAAwOD//wAAAAAmAAAAZAAAABYAAABMAAAAAAAAAAAAAAAEAAAAAAAAAAEAAADu7OEKAAAAACgAAAAoAAAAZAAAAGQAAAAAAAAAzMzMAAAAAABQAAAAUAAAAGQAAABkAAAAAAAAAAcAAAA4AAAAAAAAAAAAAAAAAAAA////AAAAAAAAAAAAAAAAAAAAAAAAAAAAAAAAAAAAAABkAAAAZAAAAAAAAAAjAAAABAAAAGQAAAAXAAAAFAAAAAAAAAAAAAAA/38AAP9/AAAAAAAACQAAAAQAAAAAAAAAHgAAAGgAAAAAAAAAAAAAAAAAAAAAAAAAAAAAABAnAAAQJwAAAAAAAAAAAAAAAAAAAAAAAAAAAAAAAAAAAAAAAAAAAAAUAAAAAAAAAMDA/wAAAAAAZAAAADIAAAAAAAAAZAAAAAAAAAB/f38ACgAAACIAAAAYAAAAAAAAAAAAAAAAAAAAAAAAAAAAAAAAAAAAJAAAACQAAAAAAAAABwAAAAAAAAAAAAAAAAAAAAAAAAAAAAAAAAAAAH9/fwAlAAAAWAAAAAAAAAAAAAAAAAAAAAAAAAAAAAAAAAAAAAAAAAAAAAAAAAAAAAAAAAAAAAAAPwAAAAAAAACghgEAAAAAAAAAAAAAAAAADAAAAAEAAAAAAAAAAAAAAAAAAAAfAAAAVAAAAE+BvQX///8BAAAAAAAAAAAAAAAAAAAAAAAAAAAAAAAAAAAAAAAAAAAAAAACf39/AO7s4QPMzMwAwMD/AH9/fwAAAAAAAAAAAAAAAAD///8AAAAAACEAAAAYAAAAFAAAAOgNAADICgAAgBsAAOQMAAAQAAAAJgAAAAgAAAD//////////w=="/>
               </a:ext>
             </a:extLst>
           </p:cNvPicPr>
@@ -7443,7 +7417,7 @@
             <a:picLocks noChangeAspect="1"/>
             <a:extLst>
               <a:ext uri="smNativeData">
-                <pr:smNativeData xmlns:pr="smNativeData" xmlns="smNativeData" val="SMDATA_17_JtjWYhMAAAAlAAAAEQAAAC0AAAAAkAAAAEgAAACQAAAASAAAAAAAAAAAAAAAAAAAAAEAAABQAAAAAAAAAAAA4D8AAAAAAADgPwAAAAAAAOA/AAAAAAAA4D8AAAAAAADgPwAAAAAAAOA/AAAAAAAA4D8AAAAAAADgPwAAAAAAAOA/AAAAAAAA4D8CAAAAjAAAAAAAAAAAAAAAT4G9DP///wgAAAAAAAAAAAAAAAAAAAAAAAAAAAAAAAAAAAAAZAAAAAEAAABAAAAAAAAAAAAAAAAAAAAAAAAAAAAAAAAAAAAAAAAAAAAAAAAAAAAAAAAAAAAAAAAAAAAAAAAAAAAAAAAAAAAAAAAAAAAAAAAAAAAAAAAAAAAAAAAAAAAAFAAAADwAAAAAAAAAAAAAAAAAAAkUAAAAAQAAABQAAAAUAAAAFAAAAAEAAAAAAAAAZAAAAGQAAAAAAAAAZAAAAGQAAAAVAAAAYAAAAAAAAAAAAAAADwAAACADAAAAAAAAAAAAAAEAAACgMgAAVgcAAKr4//8BAAAAf39/AAEAAABkAAAAAAAAABQAAABAHwAAAAAAACYAAAAAAAAAwOD//wAAAAAmAAAAZAAAABYAAABMAAAAAAAAAAAAAAAEAAAAAAAAAAEAAADu7OEKAAAAACgAAAAoAAAAZAAAAGQAAAAAAAAAzMzMAAAAAABQAAAAUAAAAGQAAABkAAAAAAAAAAcAAAA4AAAAAAAAAAAAAAAAAAAA////AAAAAAAAAAAAAAAAAAAAAAAAAAAAAAAAAAAAAABkAAAAZAAAAAAAAAAjAAAABAAAAGQAAAAXAAAAFAAAAAAAAAAAAAAA/38AAP9/AAAAAAAACQAAAAQAAAAAAAAAHgAAAGgAAAAAAAAAAAAAAAAAAAAAAAAAAAAAABAnAAAQJwAAAAAAAAAAAAAAAAAAAAAAAAAAAAAAAAAAAAAAAAAAAAAUAAAAAAAAAMDA/wAAAAAAZAAAADIAAAAAAAAAZAAAAAAAAAB/f38ACgAAACIAAAAYAAAAAAAAAAAAAAAAAAAAAAAAAAAAAAAAAAAAJAAAACQAAAAAAAAABwAAAAAAAAAAAAAAAAAAAAAAAAAAAAAAAAAAAH9/fwAlAAAAWAAAAAAAAAAAAAAAAAAAAAAAAAAAAAAAAAAAAAAAAAAAAAAAAAAAAAAAAAAAAAAAPwAAAAAAAACghgEAAAAAAAAAAAAAAAAADAAAAAEAAAAAAAAAAAAAAAAAAAAfAAAAVAAAAE+BvQX///8BAAAAAAAAAAAAAAAAAAAAAAAAAAAAAAAAAAAAAAAAAAAAAAACf39/AO7s4QPMzMwAwMD/AH9/fwAAAAAAAAAAAAAAAAD///8AAAAAACEAAAAYAAAAFAAAADYfAAC0CgAAoisAAOQMAAAQAAAAJgAAAAgAAAD//////////w=="/>
+                <pr:smNativeData xmlns:pr="smNativeData" xmlns="smNativeData" val="SMDATA_17_iunWYhMAAAAlAAAAEQAAAC0AAAAAkAAAAEgAAACQAAAASAAAAAAAAAAAAAAAAAAAAAEAAABQAAAAAAAAAAAA4D8AAAAAAADgPwAAAAAAAOA/AAAAAAAA4D8AAAAAAADgPwAAAAAAAOA/AAAAAAAA4D8AAAAAAADgPwAAAAAAAOA/AAAAAAAA4D8CAAAAjAAAAAAAAAAAAAAAT4G9DP///wgAAAAAAAAAAAAAAAAAAAAAAAAAAAAAAAAAAAAAZAAAAAEAAABAAAAAAAAAAAAAAAAAAAAAAAAAAAAAAAAAAAAAAAAAAAAAAAAAAAAAAAAAAAAAAAAAAAAAAAAAAAAAAAAAAAAAAAAAAAAAAAAAAAAAAAAAAAAAAAAAAAAAFAAAADwAAAAAAAAAAAAAAAAAAAkUAAAAAQAAABQAAAAUAAAAFAAAAAEAAAAAAAAAZAAAAGQAAAAAAAAAZAAAAGQAAAAVAAAAYAAAAAAAAAAAAAAADwAAACADAAAAAAAAAAAAAAEAAACgMgAAVgcAAKr4//8BAAAAf39/AAEAAABkAAAAAAAAABQAAABAHwAAAAAAACYAAAAAAAAAwOD//wAAAAAmAAAAZAAAABYAAABMAAAAAAAAAAAAAAAEAAAAAAAAAAEAAADu7OEKAAAAACgAAAAoAAAAZAAAAGQAAAAAAAAAzMzMAAAAAABQAAAAUAAAAGQAAABkAAAAAAAAAAcAAAA4AAAAAAAAAAAAAAAAAAAA////AAAAAAAAAAAAAAAAAAAAAAAAAAAAAAAAAAAAAABkAAAAZAAAAAAAAAAjAAAABAAAAGQAAAAXAAAAFAAAAAAAAAAAAAAA/38AAP9/AAAAAAAACQAAAAQAAAAAAAAAHgAAAGgAAAAAAAAAAAAAAAAAAAAAAAAAAAAAABAnAAAQJwAAAAAAAAAAAAAAAAAAAAAAAAAAAAAAAAAAAAAAAAAAAAAUAAAAAAAAAMDA/wAAAAAAZAAAADIAAAAAAAAAZAAAAAAAAAB/f38ACgAAACIAAAAYAAAAAAAAAAAAAAAAAAAAAAAAAAAAAAAAAAAAJAAAACQAAAAAAAAABwAAAAAAAAAAAAAAAAAAAAAAAAAAAAAAAAAAAH9/fwAlAAAAWAAAAAAAAAAAAAAAAAAAAAAAAAAAAAAAAAAAAAAAAAAAAAAAAAAAAAAAAAAAAAAAPwAAAAAAAACghgEAAAAAAAAAAAAAAAAADAAAAAEAAAAAAAAAAAAAAAAAAAAfAAAAVAAAAE+BvQX///8BAAAAAAAAAAAAAAAAAAAAAAAAAAAAAAAAAAAAAAAAAAAAAAACf39/AO7s4QPMzMwAwMD/AH9/fwAAAAAAAAAAAAAAAAD///8AAAAAACEAAAAYAAAAFAAAADYfAAC0CgAAoisAAOQMAAAQAAAAJgAAAAgAAAD//////////w=="/>
               </a:ext>
             </a:extLst>
           </p:cNvPicPr>
@@ -7477,7 +7451,7 @@
             <a:picLocks noChangeAspect="1"/>
             <a:extLst>
               <a:ext uri="smNativeData">
-                <pr:smNativeData xmlns:pr="smNativeData" xmlns="smNativeData" val="SMDATA_17_JtjWYhMAAAAlAAAAEQAAAC0AAAAAkAAAAEgAAACQAAAASAAAAAAAAAAAAAAAAAAAAAEAAABQAAAAAAAAAAAA4D8AAAAAAADgPwAAAAAAAOA/AAAAAAAA4D8AAAAAAADgPwAAAAAAAOA/AAAAAAAA4D8AAAAAAADgPwAAAAAAAOA/AAAAAAAA4D8CAAAAjAAAAAAAAAAAAAAAT4G9DP///wgAAAAAAAAAAAAAAAAAAAAAAAAAAAAAAAAAAAAAZAAAAAEAAABAAAAAAAAAAAAAAAAAAAAAAAAAAAAAAAAAAAAAAAAAAAAAAAAAAAAAAAAAAAAAAAAAAAAAAAAAAAAAAAAAAAAAAAAAAAAAAAAAAAAAAAAAAAAAAAAAAAAAFAAAADwAAAAAAAAAAAAAAAAAAAkUAAAAAQAAABQAAAAUAAAAFAAAAAEAAAAAAAAAZAAAAGQAAAAAAAAAZAAAAGQAAAAVAAAAYAAAAAAAAAAAAAAADwAAACADAAAAAAAAAAAAAAEAAACgMgAAVgcAAKr4//8BAAAAf39/AAEAAABkAAAAAAAAABQAAABAHwAAAAAAACYAAAAAAAAAwOD//wAAAAAmAAAAZAAAABYAAABMAAAAAAAAAAAAAAAEAAAAAAAAAAEAAADu7OEKAAAAACgAAAAoAAAAZAAAAGQAAAAAAAAAzMzMAAAAAABQAAAAUAAAAGQAAABkAAAAAAAAAAcAAAA4AAAAAAAAAAAAAAAAAAAA////AAAAAAAAAAAAAAAAAAAAAAAAAAAAAAAAAAAAAABkAAAAZAAAAAAAAAAjAAAABAAAAGQAAAAXAAAAFAAAAAAAAAAAAAAA/38AAP9/AAAAAAAACQAAAAQAAAAAAAAAHgAAAGgAAAAAAAAAAAAAAAAAAAAAAAAAAAAAABAnAAAQJwAAAAAAAAAAAAAAAAAAAAAAAAAAAAAAAAAAAAAAAAAAAAAUAAAAAAAAAMDA/wAAAAAAZAAAADIAAAAAAAAAZAAAAAAAAAB/f38ACgAAACIAAAAYAAAAAAAAAAAAAAAAAAAAAAAAAAAAAAAAAAAAJAAAACQAAAAAAAAABwAAAAAAAAAAAAAAAAAAAAAAAAAAAAAAAAAAAH9/fwAlAAAAWAAAAAAAAAAAAAAAAAAAAAAAAAAAAAAAAAAAAAAAAAAAAAAAAAAAAAAAAAAAAAAAPwAAAAAAAACghgEAAAAAAAAAAAAAAAAADAAAAAEAAAAAAAAAAAAAAAAAAAAfAAAAVAAAAE+BvQX///8BAAAAAAAAAAAAAAAAAAAAAAAAAAAAAAAAAAAAAAAAAAAAAAACf39/AO7s4QPMzMwAwMD/AH9/fwAAAAAAAAAAAAAAAAD///8AAAAAACEAAAAYAAAAFAAAAKgvAACMCgAAQDgAAJQRAAAQAAAAJgAAAAgAAAD//////////w=="/>
+                <pr:smNativeData xmlns:pr="smNativeData" xmlns="smNativeData" val="SMDATA_17_iunWYhMAAAAlAAAAEQAAAC0AAAAAkAAAAEgAAACQAAAASAAAAAAAAAAAAAAAAAAAAAEAAABQAAAAAAAAAAAA4D8AAAAAAADgPwAAAAAAAOA/AAAAAAAA4D8AAAAAAADgPwAAAAAAAOA/AAAAAAAA4D8AAAAAAADgPwAAAAAAAOA/AAAAAAAA4D8CAAAAjAAAAAAAAAAAAAAAT4G9DP///wgAAAAAAAAAAAAAAAAAAAAAAAAAAAAAAAAAAAAAZAAAAAEAAABAAAAAAAAAAAAAAAAAAAAAAAAAAAAAAAAAAAAAAAAAAAAAAAAAAAAAAAAAAAAAAAAAAAAAAAAAAAAAAAAAAAAAAAAAAAAAAAAAAAAAAAAAAAAAAAAAAAAAFAAAADwAAAAAAAAAAAAAAAAAAAkUAAAAAQAAABQAAAAUAAAAFAAAAAEAAAAAAAAAZAAAAGQAAAAAAAAAZAAAAGQAAAAVAAAAYAAAAAAAAAAAAAAADwAAACADAAAAAAAAAAAAAAEAAACgMgAAVgcAAKr4//8BAAAAf39/AAEAAABkAAAAAAAAABQAAABAHwAAAAAAACYAAAAAAAAAwOD//wAAAAAmAAAAZAAAABYAAABMAAAAAAAAAAAAAAAEAAAAAAAAAAEAAADu7OEKAAAAACgAAAAoAAAAZAAAAGQAAAAAAAAAzMzMAAAAAABQAAAAUAAAAGQAAABkAAAAAAAAAAcAAAA4AAAAAAAAAAAAAAAAAAAA////AAAAAAAAAAAAAAAAAAAAAAAAAAAAAAAAAAAAAABkAAAAZAAAAAAAAAAjAAAABAAAAGQAAAAXAAAAFAAAAAAAAAAAAAAA/38AAP9/AAAAAAAACQAAAAQAAAAAAAAAHgAAAGgAAAAAAAAAAAAAAAAAAAAAAAAAAAAAABAnAAAQJwAAAAAAAAAAAAAAAAAAAAAAAAAAAAAAAAAAAAAAAAAAAAAUAAAAAAAAAMDA/wAAAAAAZAAAADIAAAAAAAAAZAAAAAAAAAB/f38ACgAAACIAAAAYAAAAAAAAAAAAAAAAAAAAAAAAAAAAAAAAAAAAJAAAACQAAAAAAAAABwAAAAAAAAAAAAAAAAAAAAAAAAAAAAAAAAAAAH9/fwAlAAAAWAAAAAAAAAAAAAAAAAAAAAAAAAAAAAAAAAAAAAAAAAAAAAAAAAAAAAAAAAAAAAAAPwAAAAAAAACghgEAAAAAAAAAAAAAAAAADAAAAAEAAAAAAAAAAAAAAAAAAAAfAAAAVAAAAE+BvQX///8BAAAAAAAAAAAAAAAAAAAAAAAAAAAAAAAAAAAAAAAAAAAAAAACf39/AO7s4QPMzMwAwMD/AH9/fwAAAAAAAAAAAAAAAAD///8AAAAAACEAAAAYAAAAFAAAAKgvAACMCgAAQDgAAJQRAAAQAAAAJgAAAAgAAAD//////////w=="/>
               </a:ext>
             </a:extLst>
           </p:cNvPicPr>
@@ -7511,7 +7485,7 @@
             <a:picLocks noChangeAspect="1"/>
             <a:extLst>
               <a:ext uri="smNativeData">
-                <pr:smNativeData xmlns:pr="smNativeData" xmlns="smNativeData" val="SMDATA_17_JtjWYhMAAAAlAAAAEQAAAC0AAAAAkAAAAEgAAACQAAAASAAAAAAAAAAAAAAAAAAAAAEAAABQAAAAAAAAAAAA4D8AAAAAAADgPwAAAAAAAOA/AAAAAAAA4D8AAAAAAADgPwAAAAAAAOA/AAAAAAAA4D8AAAAAAADgPwAAAAAAAOA/AAAAAAAA4D8CAAAAjAAAAAAAAAAAAAAAT4G9DP///wgAAAAAAAAAAAAAAAAAAAAAAAAAAAAAAAAAAAAAZAAAAAEAAABAAAAAAAAAAAAAAAAAAAAAAAAAAAAAAAAAAAAAAAAAAAAAAAAAAAAAAAAAAAAAAAAAAAAAAAAAAAAAAAAAAAAAAAAAAAAAAAAAAAAAAAAAAAAAAAAAAAAAFAAAADwAAAAAAAAAAAAAAAAAAAkUAAAAAQAAABQAAAAUAAAAFAAAAAEAAAAAAAAAZAAAAGQAAAAAAAAAZAAAAGQAAAAVAAAAYAAAAAAAAAAAAAAADwAAACADAAAAAAAAAAAAAAEAAACgMgAAVgcAAKr4//8BAAAAf39/AAEAAABkAAAAAAAAABQAAABAHwAAAAAAACYAAAAAAAAAwOD//wAAAAAmAAAAZAAAABYAAABMAAAAAAAAAAAAAAAEAAAAAAAAAAEAAADu7OEKAAAAACgAAAAoAAAAZAAAAGQAAAAAAAAAzMzMAAAAAABQAAAAUAAAAGQAAABkAAAAAAAAAAcAAAA4AAAAAAAAAAAAAAAAAAAA////AAAAAAAAAAAAAAAAAAAAAAAAAAAAAAAAAAAAAABkAAAAZAAAAAAAAAAjAAAABAAAAGQAAAAXAAAAFAAAAAAAAAAAAAAA/38AAP9/AAAAAAAACQAAAAQAAAAAAAAAHgAAAGgAAAAAAAAAAAAAAAAAAAAAAAAAAAAAABAnAAAQJwAAAAAAAAAAAAAAAAAAAAAAAAAAAAAAAAAAAAAAAAAAAAAUAAAAAAAAAMDA/wAAAAAAZAAAADIAAAAAAAAAZAAAAAAAAAB/f38ACgAAACIAAAAYAAAAAAAAAAAAAAAAAAAAAAAAAAAAAAAAAAAAJAAAACQAAAAAAAAABwAAAAAAAAAAAAAAAAAAAAAAAAAAAAAAAAAAAH9/fwAlAAAAWAAAAAAAAAAAAAAAAAAAAAAAAAAAAAAAAAAAAAAAAAAAAAAAAAAAAAAAAAAAAAAAPwAAAAAAAACghgEAAAAAAAAAAAAAAAAADAAAAAEAAAAAAAAAAAAAAAAAAAAfAAAAVAAAAE+BvQX///8BAAAAAAAAAAAAAAAAAAAAAAAAAAAAAAAAAAAAAAAAAAAAAAACf39/AO7s4QPMzMwAwMD/AH9/fwAAAAAAAAAAAAAAAAD///8AAAAAACEAAAAYAAAAFAAAAJIdAADQEQAA5igAACgZAAAQAAAAJgAAAAgAAAD//////////w=="/>
+                <pr:smNativeData xmlns:pr="smNativeData" xmlns="smNativeData" val="SMDATA_17_iunWYhMAAAAlAAAAEQAAAC0AAAAAkAAAAEgAAACQAAAASAAAAAAAAAAAAAAAAAAAAAEAAABQAAAAAAAAAAAA4D8AAAAAAADgPwAAAAAAAOA/AAAAAAAA4D8AAAAAAADgPwAAAAAAAOA/AAAAAAAA4D8AAAAAAADgPwAAAAAAAOA/AAAAAAAA4D8CAAAAjAAAAAAAAAAAAAAAT4G9DP///wgAAAAAAAAAAAAAAAAAAAAAAAAAAAAAAAAAAAAAZAAAAAEAAABAAAAAAAAAAAAAAAAAAAAAAAAAAAAAAAAAAAAAAAAAAAAAAAAAAAAAAAAAAAAAAAAAAAAAAAAAAAAAAAAAAAAAAAAAAAAAAAAAAAAAAAAAAAAAAAAAAAAAFAAAADwAAAAAAAAAAAAAAAAAAAkUAAAAAQAAABQAAAAUAAAAFAAAAAEAAAAAAAAAZAAAAGQAAAAAAAAAZAAAAGQAAAAVAAAAYAAAAAAAAAAAAAAADwAAACADAAAAAAAAAAAAAAEAAACgMgAAVgcAAKr4//8BAAAAf39/AAEAAABkAAAAAAAAABQAAABAHwAAAAAAACYAAAAAAAAAwOD//wAAAAAmAAAAZAAAABYAAABMAAAAAAAAAAAAAAAEAAAAAAAAAAEAAADu7OEKAAAAACgAAAAoAAAAZAAAAGQAAAAAAAAAzMzMAAAAAABQAAAAUAAAAGQAAABkAAAAAAAAAAcAAAA4AAAAAAAAAAAAAAAAAAAA////AAAAAAAAAAAAAAAAAAAAAAAAAAAAAAAAAAAAAABkAAAAZAAAAAAAAAAjAAAABAAAAGQAAAAXAAAAFAAAAAAAAAAAAAAA/38AAP9/AAAAAAAACQAAAAQAAAAAAAAAHgAAAGgAAAAAAAAAAAAAAAAAAAAAAAAAAAAAABAnAAAQJwAAAAAAAAAAAAAAAAAAAAAAAAAAAAAAAAAAAAAAAAAAAAAUAAAAAAAAAMDA/wAAAAAAZAAAADIAAAAAAAAAZAAAAAAAAAB/f38ACgAAACIAAAAYAAAAAAAAAAAAAAAAAAAAAAAAAAAAAAAAAAAAJAAAACQAAAAAAAAABwAAAAAAAAAAAAAAAAAAAAAAAAAAAAAAAAAAAH9/fwAlAAAAWAAAAAAAAAAAAAAAAAAAAAAAAAAAAAAAAAAAAAAAAAAAAAAAAAAAAAAAAAAAAAAAPwAAAAAAAACghgEAAAAAAAAAAAAAAAAADAAAAAEAAAAAAAAAAAAAAAAAAAAfAAAAVAAAAE+BvQX///8BAAAAAAAAAAAAAAAAAAAAAAAAAAAAAAAAAAAAAAAAAAAAAAACf39/AO7s4QPMzMwAwMD/AH9/fwAAAAAAAAAAAAAAAAD///8AAAAAACEAAAAYAAAAFAAAAJIdAADQEQAA5igAACgZAAAQAAAAJgAAAAgAAAD//////////w=="/>
               </a:ext>
             </a:extLst>
           </p:cNvPicPr>
@@ -7545,7 +7519,7 @@
             <a:picLocks noChangeAspect="1"/>
             <a:extLst>
               <a:ext uri="smNativeData">
-                <pr:smNativeData xmlns:pr="smNativeData" xmlns="smNativeData" val="SMDATA_17_JtjWYhMAAAAlAAAAEQAAAC0AAAAAkAAAAEgAAACQAAAASAAAAAAAAAAAAAAAAAAAAAEAAABQAAAAAAAAAAAA4D8AAAAAAADgPwAAAAAAAOA/AAAAAAAA4D8AAAAAAADgPwAAAAAAAOA/AAAAAAAA4D8AAAAAAADgPwAAAAAAAOA/AAAAAAAA4D8CAAAAjAAAAAAAAAAAAAAAT4G9DP///wgAAAAAAAAAAAAAAAAAAAAAAAAAAAAAAAAAAAAAZAAAAAEAAABAAAAAAAAAAAAAAAAAAAAAAAAAAAAAAAAAAAAAAAAAAAAAAAAAAAAAAAAAAAAAAAAAAAAAAAAAAAAAAAAAAAAAAAAAAAAAAAAAAAAAAAAAAAAAAAAAAAAAFAAAADwAAAAAAAAAAAAAAAAAAAkUAAAAAQAAABQAAAAUAAAAFAAAAAEAAAAAAAAAZAAAAGQAAAAAAAAAZAAAAGQAAAAVAAAAYAAAAAAAAAAAAAAADwAAACADAAAAAAAAAAAAAAEAAACgMgAAVgcAAKr4//8BAAAAf39/AAEAAABkAAAAAAAAABQAAABAHwAAAAAAACYAAAAAAAAAwOD//wAAAAAmAAAAZAAAABYAAABMAAAAAAAAAAAAAAAEAAAAAAAAAAEAAADu7OEKAAAAACgAAAAoAAAAZAAAAGQAAAAAAAAAzMzMAAAAAABQAAAAUAAAAGQAAABkAAAAAAAAAAcAAAA4AAAAAAAAAAAAAAAAAAAA////AAAAAAAAAAAAAAAAAAAAAAAAAAAAAAAAAAAAAABkAAAAZAAAAAAAAAAjAAAABAAAAGQAAAAXAAAAFAAAAAAAAAAAAAAA/38AAP9/AAAAAAAACQAAAAQAAAAAAAAAHgAAAGgAAAAAAAAAAAAAAAAAAAAAAAAAAAAAABAnAAAQJwAAAAAAAAAAAAAAAAAAAAAAAAAAAAAAAAAAAAAAAAAAAAAUAAAAAAAAAMDA/wAAAAAAZAAAADIAAAAAAAAAZAAAAAAAAAB/f38ACgAAACIAAAAYAAAAAAAAAAAAAAAAAAAAAAAAAAAAAAAAAAAAJAAAACQAAAAAAAAABwAAAAAAAAAAAAAAAAAAAAAAAAAAAAAAAAAAAH9/fwAlAAAAWAAAAAAAAAAAAAAAAAAAAAAAAAAAAAAAAAAAAAAAAAAAAAAAAAAAAAAAAAAAAAAAPwAAAAAAAACghgEAAAAAAAAAAAAAAAAADAAAAAEAAAAAAAAAAAAAAAAAAAAfAAAAVAAAAE+BvQX///8BAAAAAAAAAAAAAAAAAAAAAAAAAAAAAAAAAAAAAAAAAAAAAAACf39/AO7s4QPMzMwAwMD/AH9/fwAAAAAAAAAAAAAAAAD///8AAAAAACEAAAAYAAAAFAAAANwZAAC0GQAAMCUAAJQbAAAQAAAAJgAAAAgAAAD//////////w=="/>
+                <pr:smNativeData xmlns:pr="smNativeData" xmlns="smNativeData" val="SMDATA_17_iunWYhMAAAAlAAAAEQAAAC0AAAAAkAAAAEgAAACQAAAASAAAAAAAAAAAAAAAAAAAAAEAAABQAAAAAAAAAAAA4D8AAAAAAADgPwAAAAAAAOA/AAAAAAAA4D8AAAAAAADgPwAAAAAAAOA/AAAAAAAA4D8AAAAAAADgPwAAAAAAAOA/AAAAAAAA4D8CAAAAjAAAAAAAAAAAAAAAT4G9DP///wgAAAAAAAAAAAAAAAAAAAAAAAAAAAAAAAAAAAAAZAAAAAEAAABAAAAAAAAAAAAAAAAAAAAAAAAAAAAAAAAAAAAAAAAAAAAAAAAAAAAAAAAAAAAAAAAAAAAAAAAAAAAAAAAAAAAAAAAAAAAAAAAAAAAAAAAAAAAAAAAAAAAAFAAAADwAAAAAAAAAAAAAAAAAAAkUAAAAAQAAABQAAAAUAAAAFAAAAAEAAAAAAAAAZAAAAGQAAAAAAAAAZAAAAGQAAAAVAAAAYAAAAAAAAAAAAAAADwAAACADAAAAAAAAAAAAAAEAAACgMgAAVgcAAKr4//8BAAAAf39/AAEAAABkAAAAAAAAABQAAABAHwAAAAAAACYAAAAAAAAAwOD//wAAAAAmAAAAZAAAABYAAABMAAAAAAAAAAAAAAAEAAAAAAAAAAEAAADu7OEKAAAAACgAAAAoAAAAZAAAAGQAAAAAAAAAzMzMAAAAAABQAAAAUAAAAGQAAABkAAAAAAAAAAcAAAA4AAAAAAAAAAAAAAAAAAAA////AAAAAAAAAAAAAAAAAAAAAAAAAAAAAAAAAAAAAABkAAAAZAAAAAAAAAAjAAAABAAAAGQAAAAXAAAAFAAAAAAAAAAAAAAA/38AAP9/AAAAAAAACQAAAAQAAAAAAAAAHgAAAGgAAAAAAAAAAAAAAAAAAAAAAAAAAAAAABAnAAAQJwAAAAAAAAAAAAAAAAAAAAAAAAAAAAAAAAAAAAAAAAAAAAAUAAAAAAAAAMDA/wAAAAAAZAAAADIAAAAAAAAAZAAAAAAAAAB/f38ACgAAACIAAAAYAAAAAAAAAAAAAAAAAAAAAAAAAAAAAAAAAAAAJAAAACQAAAAAAAAABwAAAAAAAAAAAAAAAAAAAAAAAAAAAAAAAAAAAH9/fwAlAAAAWAAAAAAAAAAAAAAAAAAAAAAAAAAAAAAAAAAAAAAAAAAAAAAAAAAAAAAAAAAAAAAAPwAAAAAAAACghgEAAAAAAAAAAAAAAAAADAAAAAEAAAAAAAAAAAAAAAAAAAAfAAAAVAAAAE+BvQX///8BAAAAAAAAAAAAAAAAAAAAAAAAAAAAAAAAAAAAAAAAAAAAAAACf39/AO7s4QPMzMwAwMD/AH9/fwAAAAAAAAAAAAAAAAD///8AAAAAACEAAAAYAAAAFAAAANwZAAC0GQAAMCUAAJQbAAAQAAAAJgAAAAgAAAD//////////w=="/>
               </a:ext>
             </a:extLst>
           </p:cNvPicPr>
@@ -7579,7 +7553,7 @@
             <a:picLocks noChangeAspect="1"/>
             <a:extLst>
               <a:ext uri="smNativeData">
-                <pr:smNativeData xmlns:pr="smNativeData" xmlns="smNativeData" val="SMDATA_17_JtjWYhMAAAAlAAAAEQAAAC0AAAAAkAAAAEgAAACQAAAASAAAAAAAAAAAAAAAAAAAAAEAAABQAAAAAAAAAAAA4D8AAAAAAADgPwAAAAAAAOA/AAAAAAAA4D8AAAAAAADgPwAAAAAAAOA/AAAAAAAA4D8AAAAAAADgPwAAAAAAAOA/AAAAAAAA4D8CAAAAjAAAAAAAAAAAAAAAT4G9DP///wgAAAAAAAAAAAAAAAAAAAAAAAAAAAAAAAAAAAAAZAAAAAEAAABAAAAAAAAAAAAAAAAAAAAAAAAAAAAAAAAAAAAAAAAAAAAAAAAAAAAAAAAAAAAAAAAAAAAAAAAAAAAAAAAAAAAAAAAAAAAAAAAAAAAAAAAAAAAAAAAAAAAAFAAAADwAAAAAAAAAAAAAAAAAAAkUAAAAAQAAABQAAAAUAAAAFAAAAAEAAAAAAAAAZAAAAGQAAAAAAAAAZAAAAGQAAAAVAAAAYAAAAAAAAAAAAAAADwAAACADAAAAAAAAAAAAAAEAAACgMgAAVgcAAKr4//8BAAAAf39/AAEAAABkAAAAAAAAABQAAABAHwAAAAAAACYAAAAAAAAAwOD//wAAAAAmAAAAZAAAABYAAABMAAAAAAAAAAAAAAAEAAAAAAAAAAEAAADu7OEKAAAAACgAAAAoAAAAZAAAAGQAAAAAAAAAzMzMAAAAAABQAAAAUAAAAGQAAABkAAAAAAAAAAcAAAA4AAAAAAAAAAAAAAAAAAAA////AAAAAAAAAAAAAAAAAAAAAAAAAAAAAAAAAAAAAABkAAAAZAAAAAAAAAAjAAAABAAAAGQAAAAXAAAAFAAAAAAAAAAAAAAA/38AAP9/AAAAAAAACQAAAAQAAAAAAAAAHgAAAGgAAAAAAAAAAAAAAAAAAAAAAAAAAAAAABAnAAAQJwAAAAAAAAAAAAAAAAAAAAAAAAAAAAAAAAAAAAAAAAAAAAAUAAAAAAAAAMDA/wAAAAAAZAAAADIAAAAAAAAAZAAAAAAAAAB/f38ACgAAACIAAAAYAAAAAAAAAAAAAAAAAAAAAAAAAAAAAAAAAAAAJAAAACQAAAAAAAAABwAAAAAAAAAAAAAAAAAAAAAAAAAAAAAAAAAAAH9/fwAlAAAAWAAAAAAAAAAAAAAAAAAAAAAAAAAAAAAAAAAAAAAAAAAAAAAAAAAAAAAAAAAAAAAAPwAAAAAAAACghgEAAAAAAAAAAAAAAAAADAAAAAEAAAAAAAAAAAAAAAAAAAAfAAAAVAAAAE+BvQX///8BAAAAAAAAAAAAAAAAAAAAAAAAAAAAAAAAAAAAAAAAAAAAAAACf39/AO7s4QPMzMwAwMD/AH9/fwAAAAAAAAAAAAAAAAD///8AAAAAACEAAAAYAAAAFAAAADAlAAAoHgAALDgAADAqAAAQAAAAJgAAAAgAAAD//////////w=="/>
+                <pr:smNativeData xmlns:pr="smNativeData" xmlns="smNativeData" val="SMDATA_17_iunWYhMAAAAlAAAAEQAAAC0AAAAAkAAAAEgAAACQAAAASAAAAAAAAAAAAAAAAAAAAAEAAABQAAAAAAAAAAAA4D8AAAAAAADgPwAAAAAAAOA/AAAAAAAA4D8AAAAAAADgPwAAAAAAAOA/AAAAAAAA4D8AAAAAAADgPwAAAAAAAOA/AAAAAAAA4D8CAAAAjAAAAAAAAAAAAAAAT4G9DP///wgAAAAAAAAAAAAAAAAAAAAAAAAAAAAAAAAAAAAAZAAAAAEAAABAAAAAAAAAAAAAAAAAAAAAAAAAAAAAAAAAAAAAAAAAAAAAAAAAAAAAAAAAAAAAAAAAAAAAAAAAAAAAAAAAAAAAAAAAAAAAAAAAAAAAAAAAAAAAAAAAAAAAFAAAADwAAAAAAAAAAAAAAAAAAAkUAAAAAQAAABQAAAAUAAAAFAAAAAEAAAAAAAAAZAAAAGQAAAAAAAAAZAAAAGQAAAAVAAAAYAAAAAAAAAAAAAAADwAAACADAAAAAAAAAAAAAAEAAACgMgAAVgcAAKr4//8BAAAAf39/AAEAAABkAAAAAAAAABQAAABAHwAAAAAAACYAAAAAAAAAwOD//wAAAAAmAAAAZAAAABYAAABMAAAAAAAAAAAAAAAEAAAAAAAAAAEAAADu7OEKAAAAACgAAAAoAAAAZAAAAGQAAAAAAAAAzMzMAAAAAABQAAAAUAAAAGQAAABkAAAAAAAAAAcAAAA4AAAAAAAAAAAAAAAAAAAA////AAAAAAAAAAAAAAAAAAAAAAAAAAAAAAAAAAAAAABkAAAAZAAAAAAAAAAjAAAABAAAAGQAAAAXAAAAFAAAAAAAAAAAAAAA/38AAP9/AAAAAAAACQAAAAQAAAAAAAAAHgAAAGgAAAAAAAAAAAAAAAAAAAAAAAAAAAAAABAnAAAQJwAAAAAAAAAAAAAAAAAAAAAAAAAAAAAAAAAAAAAAAAAAAAAUAAAAAAAAAMDA/wAAAAAAZAAAADIAAAAAAAAAZAAAAAAAAAB/f38ACgAAACIAAAAYAAAAAAAAAAAAAAAAAAAAAAAAAAAAAAAAAAAAJAAAACQAAAAAAAAABwAAAAAAAAAAAAAAAAAAAAAAAAAAAAAAAAAAAH9/fwAlAAAAWAAAAAAAAAAAAAAAAAAAAAAAAAAAAAAAAAAAAAAAAAAAAAAAAAAAAAAAAAAAAAAAPwAAAAAAAACghgEAAAAAAAAAAAAAAAAADAAAAAEAAAAAAAAAAAAAAAAAAAAfAAAAVAAAAE+BvQX///8BAAAAAAAAAAAAAAAAAAAAAAAAAAAAAAAAAAAAAAAAAAAAAAACf39/AO7s4QPMzMwAwMD/AH9/fwAAAAAAAAAAAAAAAAD///8AAAAAACEAAAAYAAAAFAAAADAlAAAoHgAALDgAADAqAAAQAAAAJgAAAAgAAAD//////////w=="/>
               </a:ext>
             </a:extLst>
           </p:cNvPicPr>
@@ -7645,7 +7619,7 @@
             <a:spLocks noGrp="1" noChangeArrowheads="1"/>
             <a:extLst>
               <a:ext uri="smNativeData">
-                <pr:smNativeData xmlns:pr="smNativeData" xmlns="smNativeData" val="SMDATA_15_JtjWYhMAAAAlAAAAZAAAAA0AAAAAkAAAAEgAAACQAAAASAAAAAAAAAABAAAAAAAAAAEAAABQAAAAAAAAAAAA4D8AAAAAAADgPwAAAAAAAOA/AAAAAAAA4D8AAAAAAADgPwAAAAAAAOA/AAAAAAAA4D8AAAAAAADgPwAAAAAAAOA/AAAAAAAA4D8CAAAAjAAAAAAAAAAAAAAAT4G9DP///wgAAAAAAAAAAAAAAAAAAAAAAAAAAAAAAAAAAAAAZAAAAAEAAABAAAAAAAAAAAAAAAAAAAAAAAAAAAAAAAAAAAAAAAAAAAAAAAAAAAAAAAAAAAAAAAAAAAAAAAAAAAAAAAAAAAAAAAAAAAAAAAAAAAAAAAAAAAAAAAAAAAAAFAAAADwAAAAAAAAAAAAAAAAAAAkUAAAAAQAAABQAAAAUAAAAFAAAAAEAAAAAAAAAZAAAAGQAAAAAAAAAZAAAAGQAAAAVAAAAYAAAAAAAAAAAAAAADwAAACADAAAAAAAAAAAAAAEAAACgMgAAVgcAAKr4//8BAAAAf39/AAEAAABkAAAAAAAAABQAAABAHwAAAAAAACYAAAAAAAAAwOD//wAAAAAmAAAAZAAAABYAAABMAAAAAAAAAAAAAAAEAAAAAAAAAAEAAADu7OEKAAAAACgAAAAoAAAAZAAAAGQAAAAAAAAAzMzMAAAAAABQAAAAUAAAAGQAAABkAAAAAAAAABcAAAAUAAAAAAAAAAAAAAD/fwAA/38AAAAAAAAJAAAABAAAAAAAAAAeAAAAaAAAAAAAAAAAAAAAAAAAAAAAAAAAAAAAECcAABAnAAAAAAAAAAAAAAAAAAAAAAAAAAAAAAAAAAAAAAAAAAAAABQAAAAAAAAAwMD/AAAAAABkAAAAMgAAAAAAAABkAAAAAAAAAH9/fwAKAAAAIgAAABgAAAAAAAAAAAAAAAAAAAAAAAAAAAAAAAAAAAAkAAAAJAAAAAAAAAAHAAAAAAAAAAAAAAAAAAAAAAAAAAAAAAAAAAAAf39/ACUAAABYAAAAAAAAAAAAAAAAAAAAAAAAAAAAAAAAAAAAAAAAAAAAAAAAAAAAAAAAAAAAAAA/AAAAAAAAAKCGAQAAAAAAAAAAAAAAAAAMAAAAAQAAAAAAAAAAAAAAAAAAAB8AAABUAAAAT4G9Bf///wEAAAAAAAAAAAAAAAAAAAAAAAAAAAAAAAAAAAAAAAAAAAAAAAJ/f38A7uzhA8zMzADAwP8Af39/AAAAAAAAAAAAAAAAAAAAAAAAAAAAIQAAABgAAAAUAAAA0AIAALEBAABwNQAAuQgAABAAAAAmAAAACAAAAAAAAAAAAAAA"/>
+                <pr:smNativeData xmlns:pr="smNativeData" xmlns="smNativeData" val="SMDATA_15_iunWYhMAAAAlAAAAZAAAAA0AAAAAkAAAAEgAAACQAAAASAAAAAAAAAABAAAAAAAAAAEAAABQAAAAAAAAAAAA4D8AAAAAAADgPwAAAAAAAOA/AAAAAAAA4D8AAAAAAADgPwAAAAAAAOA/AAAAAAAA4D8AAAAAAADgPwAAAAAAAOA/AAAAAAAA4D8CAAAAjAAAAAAAAAAAAAAAT4G9DP///wgAAAAAAAAAAAAAAAAAAAAAAAAAAAAAAAAAAAAAZAAAAAEAAABAAAAAAAAAAAAAAAAAAAAAAAAAAAAAAAAAAAAAAAAAAAAAAAAAAAAAAAAAAAAAAAAAAAAAAAAAAAAAAAAAAAAAAAAAAAAAAAAAAAAAAAAAAAAAAAAAAAAAFAAAADwAAAAAAAAAAAAAAAAAAAkUAAAAAQAAABQAAAAUAAAAFAAAAAEAAAAAAAAAZAAAAGQAAAAAAAAAZAAAAGQAAAAVAAAAYAAAAAAAAAAAAAAADwAAACADAAAAAAAAAAAAAAEAAACgMgAAVgcAAKr4//8BAAAAf39/AAEAAABkAAAAAAAAABQAAABAHwAAAAAAACYAAAAAAAAAwOD//wAAAAAmAAAAZAAAABYAAABMAAAAAAAAAAAAAAAEAAAAAAAAAAEAAADu7OEKAAAAACgAAAAoAAAAZAAAAGQAAAAAAAAAzMzMAAAAAABQAAAAUAAAAGQAAABkAAAAAAAAABcAAAAUAAAAAAAAAAAAAAD/fwAA/38AAAAAAAAJAAAABAAAAAAAAAAeAAAAaAAAAAAAAAAAAAAAAAAAAAAAAAAAAAAAECcAABAnAAAAAAAAAAAAAAAAAAAAAAAAAAAAAAAAAAAAAAAAAAAAABQAAAAAAAAAwMD/AAAAAABkAAAAMgAAAAAAAABkAAAAAAAAAH9/fwAKAAAAIgAAABgAAAAAAAAAAAAAAAAAAAAAAAAAAAAAAAAAAAAkAAAAJAAAAAAAAAAHAAAAAAAAAAAAAAAAAAAAAAAAAAAAAAAAAAAAf39/ACUAAABYAAAAAAAAAAAAAAAAAAAAAAAAAAAAAAAAAAAAAAAAAAAAAAAAAAAAAAAAAAAAAAA/AAAAAAAAAKCGAQAAAAAAAAAAAAAAAAAMAAAAAQAAAAAAAAAAAAAAAAAAAB8AAABUAAAAT4G9Bf///wEAAAAAAAAAAAAAAAAAAAAAAAAAAAAAAAAAAAAAAAAAAAAAAAJ/f38A7uzhA8zMzADAwP8Af39/AAAAAAAAAAAAAAAAAAAAAAAAAAAAIQAAABgAAAAUAAAA0AIAALEBAABwNQAAuQgAABAAAAAmAAAACAAAAAAAAAAAAAAA"/>
               </a:ext>
             </a:extLst>
           </p:cNvSpPr>
@@ -7674,7 +7648,7 @@
             <a:spLocks noGrp="1" noChangeArrowheads="1"/>
             <a:extLst>
               <a:ext uri="smNativeData">
-                <pr:smNativeData xmlns:pr="smNativeData" xmlns="smNativeData" val="SMDATA_15_JtjWYhMAAAAlAAAAZAAAAA0AAAAAkAAAAEgAAACQAAAASAAAAAAAAAAAAAAAAAAAAAEAAABQAAAAAAAAAAAA4D8AAAAAAADgPwAAAAAAAOA/AAAAAAAA4D8AAAAAAADgPwAAAAAAAOA/AAAAAAAA4D8AAAAAAADgPwAAAAAAAOA/AAAAAAAA4D8CAAAAjAAAAAAAAAAAAAAAT4G9DP///wgAAAAAAAAAAAAAAAAAAAAAAAAAAAAAAAAAAAAAZAAAAAEAAABAAAAAAAAAAAAAAAAAAAAAAAAAAAAAAAAAAAAAAAAAAAAAAAAAAAAAAAAAAAAAAAAAAAAAAAAAAAAAAAAAAAAAAAAAAAAAAAAAAAAAAAAAAAAAAAAAAAAAFAAAADwAAAAAAAAAAAAAAAAAAAkUAAAAAQAAABQAAAAUAAAAFAAAAAEAAAAAAAAAZAAAAGQAAAAAAAAAZAAAAGQAAAAVAAAAYAAAAAAAAAAAAAAADwAAACADAAAAAAAAAAAAAAEAAACgMgAAVgcAAKr4//8BAAAAf39/AAEAAABkAAAAAAAAABQAAABAHwAAAAAAACYAAAAAAAAAwOD//wAAAAAmAAAAZAAAABYAAABMAAAAAAAAAAAAAAAEAAAAAAAAAAEAAADu7OEKAAAAACgAAAAoAAAAZAAAAGQAAAAAAAAAzMzMAAAAAABQAAAAUAAAAGQAAABkAAAAAAAAABcAAAAUAAAAAAAAAAAAAAD/fwAA/38AAAAAAAAJAAAABAAAAAAAAAAeAAAAaAAAAAAAAAAAAAAAAAAAAAAAAAAAAAAAECcAABAnAAAAAAAAAAAAAAAAAAAAAAAAAAAAAAAAAAAAAAAAAAAAABQAAAAAAAAAwMD/AAAAAABkAAAAMgAAAAAAAABkAAAAAAAAAH9/fwAKAAAAIgAAABgAAAAAAAAAAAAAAAAAAAAAAAAAAAAAAAAAAAAkAAAAJAAAAAAAAAAHAAAAAAAAAAAAAAAAAAAAAAAAAAAAAAAAAAAAf39/ACUAAABYAAAAAAAAAAAAAAAAAAAAAAAAAAAAAAAAAAAAAAAAAAAAAAAAAAAAAAAAAAAAAAA/AAAAAAAAAKCGAQAAAAAAAAAAAAAAAAAMAAAAAQAAAAAAAAAAAAAAAAAAAB8AAABUAAAAT4G9Bf///wEAAAAAAAAAAAAAAAAAAAAAAAAAAAAAAAAAAAAAAAAAAAAAAAJ/f38A7uzhA8zMzADAwP8Af39/AAAAAAAAAAAAAAAAAAAAAAAAAAAAIQAAABgAAAAUAAAA0AIAAKgHAABwNQAAMCoAABAAAAAmAAAACAAAAAEAAAAAAAAA"/>
+                <pr:smNativeData xmlns:pr="smNativeData" xmlns="smNativeData" val="SMDATA_15_iunWYhMAAAAlAAAAZAAAAA0AAAAAkAAAAEgAAACQAAAASAAAAAAAAAAAAAAAAAAAAAEAAABQAAAAAAAAAAAA4D8AAAAAAADgPwAAAAAAAOA/AAAAAAAA4D8AAAAAAADgPwAAAAAAAOA/AAAAAAAA4D8AAAAAAADgPwAAAAAAAOA/AAAAAAAA4D8CAAAAjAAAAAAAAAAAAAAAT4G9DP///wgAAAAAAAAAAAAAAAAAAAAAAAAAAAAAAAAAAAAAZAAAAAEAAABAAAAAAAAAAAAAAAAAAAAAAAAAAAAAAAAAAAAAAAAAAAAAAAAAAAAAAAAAAAAAAAAAAAAAAAAAAAAAAAAAAAAAAAAAAAAAAAAAAAAAAAAAAAAAAAAAAAAAFAAAADwAAAAAAAAAAAAAAAAAAAkUAAAAAQAAABQAAAAUAAAAFAAAAAEAAAAAAAAAZAAAAGQAAAAAAAAAZAAAAGQAAAAVAAAAYAAAAAAAAAAAAAAADwAAACADAAAAAAAAAAAAAAEAAACgMgAAVgcAAKr4//8BAAAAf39/AAEAAABkAAAAAAAAABQAAABAHwAAAAAAACYAAAAAAAAAwOD//wAAAAAmAAAAZAAAABYAAABMAAAAAAAAAAAAAAAEAAAAAAAAAAEAAADu7OEKAAAAACgAAAAoAAAAZAAAAGQAAAAAAAAAzMzMAAAAAABQAAAAUAAAAGQAAABkAAAAAAAAABcAAAAUAAAAAAAAAAAAAAD/fwAA/38AAAAAAAAJAAAABAAAAAAAAAAeAAAAaAAAAAAAAAAAAAAAAAAAAAAAAAAAAAAAECcAABAnAAAAAAAAAAAAAAAAAAAAAAAAAAAAAAAAAAAAAAAAAAAAABQAAAAAAAAAwMD/AAAAAABkAAAAMgAAAAAAAABkAAAAAAAAAH9/fwAKAAAAIgAAABgAAAAAAAAAAAAAAAAAAAAAAAAAAAAAAAAAAAAkAAAAJAAAAAAAAAAHAAAAAAAAAAAAAAAAAAAAAAAAAAAAAAAAAAAAf39/ACUAAABYAAAAAAAAAAAAAAAAAAAAAAAAAAAAAAAAAAAAAAAAAAAAAAAAAAAAAAAAAAAAAAA/AAAAAAAAAKCGAQAAAAAAAAAAAAAAAAAMAAAAAQAAAAAAAAAAAAAAAAAAAB8AAABUAAAAT4G9Bf///wEAAAAAAAAAAAAAAAAAAAAAAAAAAAAAAAAAAAAAAAAAAAAAAAJ/f38A7uzhA8zMzADAwP8Af39/AAAAAAAAAAAAAAAAAAAAAAAAAAAAIQAAABgAAAAUAAAA0AIAAKgHAABwNQAAMCoAABAAAAAmAAAACAAAAAEAAAAAAAAA"/>
               </a:ext>
             </a:extLst>
           </p:cNvSpPr>
@@ -7726,7 +7700,7 @@
             <a:picLocks noChangeAspect="1"/>
             <a:extLst>
               <a:ext uri="smNativeData">
-                <pr:smNativeData xmlns:pr="smNativeData" xmlns="smNativeData" val="SMDATA_17_JtjWYhMAAAAlAAAAEQAAAC0AAAAAkAAAAEgAAACQAAAASAAAAAAAAAAAAAAAAAAAAAEAAABQAAAAAAAAAAAA4D8AAAAAAADgPwAAAAAAAOA/AAAAAAAA4D8AAAAAAADgPwAAAAAAAOA/AAAAAAAA4D8AAAAAAADgPwAAAAAAAOA/AAAAAAAA4D8CAAAAjAAAAAAAAAAAAAAAT4G9DP///wgAAAAAAAAAAAAAAAAAAAAAAAAAAAAAAAAAAAAAZAAAAAEAAABAAAAAAAAAAAAAAAAAAAAAAAAAAAAAAAAAAAAAAAAAAAAAAAAAAAAAAAAAAAAAAAAAAAAAAAAAAAAAAAAAAAAAAAAAAAAAAAAAAAAAAAAAAAAAAAAAAAAAFAAAADwAAAAAAAAAAAAAAAAAAAkUAAAAAQAAABQAAAAUAAAAFAAAAAEAAAAAAAAAZAAAAGQAAAAAAAAAZAAAAGQAAAAVAAAAYAAAAAAAAAAAAAAADwAAACADAAAAAAAAAAAAAAEAAACgMgAAVgcAAKr4//8BAAAAf39/AAEAAABkAAAAAAAAABQAAABAHwAAAAAAACYAAAAAAAAAwOD//wAAAAAmAAAAZAAAABYAAABMAAAAAAAAAAAAAAAEAAAAAAAAAAEAAADu7OEKAAAAACgAAAAoAAAAZAAAAGQAAAAAAAAAzMzMAAAAAABQAAAAUAAAAGQAAABkAAAAAAAAAAcAAAA4AAAAAAAAAAAAAAAAAAAA////AAAAAAAAAAAAAAAAAAAAAAAAAAAAAAAAAAAAAABkAAAAZAAAAAAAAAAjAAAABAAAAGQAAAAXAAAAFAAAAAAAAAAAAAAA/38AAP9/AAAAAAAACQAAAAQAAAAAAAAAHgAAAGgAAAAAAAAAAAAAAAAAAAAAAAAAAAAAABAnAAAQJwAAAAAAAAAAAAAAAAAAAAAAAAAAAAAAAAAAAAAAAAAAAAAUAAAAAAAAAMDA/wAAAAAAZAAAADIAAAAAAAAAZAAAAAAAAAB/f38ACgAAACIAAAAYAAAAAAAAAAAAAAAAAAAAAAAAAAAAAAAAAAAAJAAAACQAAAAAAAAABwAAAAAAAAAAAAAAAAAAAAAAAAAAAAAAAAAAAH9/fwAlAAAAWAAAAAAAAAAAAAAAAAAAAAAAAAAAAAAAAAAAAAAAAAAAAAAAAAAAAAAAAAAAAAAAPwAAAAAAAACghgEAAAAAAAAAAAAAAAAADAAAAAEAAAAAAAAAAAAAAAAAAAAfAAAAVAAAAE+BvQX///8BAAAAAAAAAAAAAAAAAAAAAAAAAAAAAAAAAAAAAAAAAAAAAAACf39/AO7s4QPMzMwAwMD/AH9/fwAAAAAAAAAAAAAAAAD///8AAAAAACEAAAAYAAAAFAAAAIgJAABoCwAAADcAANQNAAAQAAAAJgAAAAgAAAD//////////w=="/>
+                <pr:smNativeData xmlns:pr="smNativeData" xmlns="smNativeData" val="SMDATA_17_iunWYhMAAAAlAAAAEQAAAC0AAAAAkAAAAEgAAACQAAAASAAAAAAAAAAAAAAAAAAAAAEAAABQAAAAAAAAAAAA4D8AAAAAAADgPwAAAAAAAOA/AAAAAAAA4D8AAAAAAADgPwAAAAAAAOA/AAAAAAAA4D8AAAAAAADgPwAAAAAAAOA/AAAAAAAA4D8CAAAAjAAAAAAAAAAAAAAAT4G9DP///wgAAAAAAAAAAAAAAAAAAAAAAAAAAAAAAAAAAAAAZAAAAAEAAABAAAAAAAAAAAAAAAAAAAAAAAAAAAAAAAAAAAAAAAAAAAAAAAAAAAAAAAAAAAAAAAAAAAAAAAAAAAAAAAAAAAAAAAAAAAAAAAAAAAAAAAAAAAAAAAAAAAAAFAAAADwAAAAAAAAAAAAAAAAAAAkUAAAAAQAAABQAAAAUAAAAFAAAAAEAAAAAAAAAZAAAAGQAAAAAAAAAZAAAAGQAAAAVAAAAYAAAAAAAAAAAAAAADwAAACADAAAAAAAAAAAAAAEAAACgMgAAVgcAAKr4//8BAAAAf39/AAEAAABkAAAAAAAAABQAAABAHwAAAAAAACYAAAAAAAAAwOD//wAAAAAmAAAAZAAAABYAAABMAAAAAAAAAAAAAAAEAAAAAAAAAAEAAADu7OEKAAAAACgAAAAoAAAAZAAAAGQAAAAAAAAAzMzMAAAAAABQAAAAUAAAAGQAAABkAAAAAAAAAAcAAAA4AAAAAAAAAAAAAAAAAAAA////AAAAAAAAAAAAAAAAAAAAAAAAAAAAAAAAAAAAAABkAAAAZAAAAAAAAAAjAAAABAAAAGQAAAAXAAAAFAAAAAAAAAAAAAAA/38AAP9/AAAAAAAACQAAAAQAAAAAAAAAHgAAAGgAAAAAAAAAAAAAAAAAAAAAAAAAAAAAABAnAAAQJwAAAAAAAAAAAAAAAAAAAAAAAAAAAAAAAAAAAAAAAAAAAAAUAAAAAAAAAMDA/wAAAAAAZAAAADIAAAAAAAAAZAAAAAAAAAB/f38ACgAAACIAAAAYAAAAAAAAAAAAAAAAAAAAAAAAAAAAAAAAAAAAJAAAACQAAAAAAAAABwAAAAAAAAAAAAAAAAAAAAAAAAAAAAAAAAAAAH9/fwAlAAAAWAAAAAAAAAAAAAAAAAAAAAAAAAAAAAAAAAAAAAAAAAAAAAAAAAAAAAAAAAAAAAAAPwAAAAAAAACghgEAAAAAAAAAAAAAAAAADAAAAAEAAAAAAAAAAAAAAAAAAAAfAAAAVAAAAE+BvQX///8BAAAAAAAAAAAAAAAAAAAAAAAAAAAAAAAAAAAAAAAAAAAAAAACf39/AO7s4QPMzMwAwMD/AH9/fwAAAAAAAAAAAAAAAAD///8AAAAAACEAAAAYAAAAFAAAAIgJAABoCwAAADcAANQNAAAQAAAAJgAAAAgAAAD//////////w=="/>
               </a:ext>
             </a:extLst>
           </p:cNvPicPr>
@@ -7760,7 +7734,7 @@
             <a:picLocks noChangeAspect="1"/>
             <a:extLst>
               <a:ext uri="smNativeData">
-                <pr:smNativeData xmlns:pr="smNativeData" xmlns="smNativeData" val="SMDATA_17_JtjWYhMAAAAlAAAAEQAAAC0AAAAAkAAAAEgAAACQAAAASAAAAAAAAAAAAAAAAAAAAAEAAABQAAAAAAAAAAAA4D8AAAAAAADgPwAAAAAAAOA/AAAAAAAA4D8AAAAAAADgPwAAAAAAAOA/AAAAAAAA4D8AAAAAAADgPwAAAAAAAOA/AAAAAAAA4D8CAAAAjAAAAAAAAAAAAAAAT4G9DP///wgAAAAAAAAAAAAAAAAAAAAAAAAAAAAAAAAAAAAAZAAAAAEAAABAAAAAAAAAAAAAAAAAAAAAAAAAAAAAAAAAAAAAAAAAAAAAAAAAAAAAAAAAAAAAAAAAAAAAAAAAAAAAAAAAAAAAAAAAAAAAAAAAAAAAAAAAAAAAAAAAAAAAFAAAADwAAAAAAAAAAAAAAAAAAAkUAAAAAQAAABQAAAAUAAAAFAAAAAEAAAAAAAAAZAAAAGQAAAAAAAAAZAAAAGQAAAAVAAAAYAAAAAAAAAAAAAAADwAAACADAAAAAAAAAAAAAAEAAACgMgAAVgcAAKr4//8BAAAAf39/AAEAAABkAAAAAAAAABQAAABAHwAAAAAAACYAAAAAAAAAwOD//wAAAAAmAAAAZAAAABYAAABMAAAAAAAAAAAAAAAEAAAAAAAAAAEAAADu7OEKAAAAACgAAAAoAAAAZAAAAGQAAAAAAAAAzMzMAAAAAABQAAAAUAAAAGQAAABkAAAAAAAAAAcAAAA4AAAAAAAAAAAAAAAAAAAA////AAAAAAAAAAAAAAAAAAAAAAAAAAAAAAAAAAAAAABkAAAAZAAAAAAAAAAjAAAABAAAAGQAAAAXAAAAFAAAAAAAAAAAAAAA/38AAP9/AAAAAAAACQAAAAQAAAAAAAAAHgAAAGgAAAAAAAAAAAAAAAAAAAAAAAAAAAAAABAnAAAQJwAAAAAAAAAAAAAAAAAAAAAAAAAAAAAAAAAAAAAAAAAAAAAUAAAAAAAAAMDA/wAAAAAAZAAAADIAAAAAAAAAZAAAAAAAAAB/f38ACgAAACIAAAAYAAAAAAAAAAAAAAAAAAAAAAAAAAAAAAAAAAAAJAAAACQAAAAAAAAABwAAAAAAAAAAAAAAAAAAAAAAAAAAAAAAAAAAAH9/fwAlAAAAWAAAAAAAAAAAAAAAAAAAAAAAAAAAAAAAAAAAAAAAAAAAAAAAAAAAAAAAAAAAAAAAPwAAAAAAAACghgEAAAAAAAAAAAAAAAAADAAAAAEAAAAAAAAAAAAAAAAAAAAfAAAAVAAAAE+BvQX///8BAAAAAAAAAAAAAAAAAAAAAAAAAAAAAAAAAAAAAAAAAAAAAAACf39/AO7s4QPMzMwAwMD/AH9/fwAAAAAAAAAAAAAAAAD///8AAAAAACEAAAAYAAAAFAAAAIgJAAB0EwAA6CsAAAQpAAAQAAAAJgAAAAgAAAD//////////w=="/>
+                <pr:smNativeData xmlns:pr="smNativeData" xmlns="smNativeData" val="SMDATA_17_iunWYhMAAAAlAAAAEQAAAC0AAAAAkAAAAEgAAACQAAAASAAAAAAAAAAAAAAAAAAAAAEAAABQAAAAAAAAAAAA4D8AAAAAAADgPwAAAAAAAOA/AAAAAAAA4D8AAAAAAADgPwAAAAAAAOA/AAAAAAAA4D8AAAAAAADgPwAAAAAAAOA/AAAAAAAA4D8CAAAAjAAAAAAAAAAAAAAAT4G9DP///wgAAAAAAAAAAAAAAAAAAAAAAAAAAAAAAAAAAAAAZAAAAAEAAABAAAAAAAAAAAAAAAAAAAAAAAAAAAAAAAAAAAAAAAAAAAAAAAAAAAAAAAAAAAAAAAAAAAAAAAAAAAAAAAAAAAAAAAAAAAAAAAAAAAAAAAAAAAAAAAAAAAAAFAAAADwAAAAAAAAAAAAAAAAAAAkUAAAAAQAAABQAAAAUAAAAFAAAAAEAAAAAAAAAZAAAAGQAAAAAAAAAZAAAAGQAAAAVAAAAYAAAAAAAAAAAAAAADwAAACADAAAAAAAAAAAAAAEAAACgMgAAVgcAAKr4//8BAAAAf39/AAEAAABkAAAAAAAAABQAAABAHwAAAAAAACYAAAAAAAAAwOD//wAAAAAmAAAAZAAAABYAAABMAAAAAAAAAAAAAAAEAAAAAAAAAAEAAADu7OEKAAAAACgAAAAoAAAAZAAAAGQAAAAAAAAAzMzMAAAAAABQAAAAUAAAAGQAAABkAAAAAAAAAAcAAAA4AAAAAAAAAAAAAAAAAAAA////AAAAAAAAAAAAAAAAAAAAAAAAAAAAAAAAAAAAAABkAAAAZAAAAAAAAAAjAAAABAAAAGQAAAAXAAAAFAAAAAAAAAAAAAAA/38AAP9/AAAAAAAACQAAAAQAAAAAAAAAHgAAAGgAAAAAAAAAAAAAAAAAAAAAAAAAAAAAABAnAAAQJwAAAAAAAAAAAAAAAAAAAAAAAAAAAAAAAAAAAAAAAAAAAAAUAAAAAAAAAMDA/wAAAAAAZAAAADIAAAAAAAAAZAAAAAAAAAB/f38ACgAAACIAAAAYAAAAAAAAAAAAAAAAAAAAAAAAAAAAAAAAAAAAJAAAACQAAAAAAAAABwAAAAAAAAAAAAAAAAAAAAAAAAAAAAAAAAAAAH9/fwAlAAAAWAAAAAAAAAAAAAAAAAAAAAAAAAAAAAAAAAAAAAAAAAAAAAAAAAAAAAAAAAAAAAAAPwAAAAAAAACghgEAAAAAAAAAAAAAAAAADAAAAAEAAAAAAAAAAAAAAAAAAAAfAAAAVAAAAE+BvQX///8BAAAAAAAAAAAAAAAAAAAAAAAAAAAAAAAAAAAAAAAAAAAAAAACf39/AO7s4QPMzMwAwMD/AH9/fwAAAAAAAAAAAAAAAAD///8AAAAAACEAAAAYAAAAFAAAAIgJAAB0EwAA6CsAAAQpAAAQAAAAJgAAAAgAAAD//////////w=="/>
               </a:ext>
             </a:extLst>
           </p:cNvPicPr>
@@ -7826,7 +7800,7 @@
             <a:spLocks noGrp="1" noChangeArrowheads="1"/>
             <a:extLst>
               <a:ext uri="smNativeData">
-                <pr:smNativeData xmlns:pr="smNativeData" xmlns="smNativeData" val="SMDATA_15_JtjWYhMAAAAlAAAAZAAAAA0AAAAAkAAAAEgAAACQAAAASAAAAAAAAAABAAAAAAAAAAEAAABQAAAAAAAAAAAA4D8AAAAAAADgPwAAAAAAAOA/AAAAAAAA4D8AAAAAAADgPwAAAAAAAOA/AAAAAAAA4D8AAAAAAADgPwAAAAAAAOA/AAAAAAAA4D8CAAAAjAAAAAAAAAAAAAAAT4G9DP///wgAAAAAAAAAAAAAAAAAAAAAAAAAAAAAAAAAAAAAZAAAAAEAAABAAAAAAAAAAAAAAAAAAAAAAAAAAAAAAAAAAAAAAAAAAAAAAAAAAAAAAAAAAAAAAAAAAAAAAAAAAAAAAAAAAAAAAAAAAAAAAAAAAAAAAAAAAAAAAAAAAAAAFAAAADwAAAAAAAAAAAAAAAAAAAkUAAAAAQAAABQAAAAUAAAAFAAAAAEAAAAAAAAAZAAAAGQAAAAAAAAAZAAAAGQAAAAVAAAAYAAAAAAAAAAAAAAADwAAACADAAAAAAAAAAAAAAEAAACgMgAAVgcAAKr4//8BAAAAf39/AAEAAABkAAAAAAAAABQAAABAHwAAAAAAACYAAAAAAAAAwOD//wAAAAAmAAAAZAAAABYAAABMAAAAAAAAAAAAAAAEAAAAAAAAAAEAAADu7OEKAAAAACgAAAAoAAAAZAAAAGQAAAAAAAAAzMzMAAAAAABQAAAAUAAAAGQAAABkAAAAAAAAABcAAAAUAAAAAAAAAAAAAAD/fwAA/38AAAAAAAAJAAAABAAAAFYAAAAeAAAAaAAAAAAAAAAAAAAAAAAAAAAAAAAAAAAAECcAABAnAAAAAAAAAAAAAAAAAAAAAAAAAAAAAAAAAAAAAAAAAAAAABQAAAAAAAAAwMD/AAAAAABkAAAAMgAAAAAAAABkAAAAAAAAAH9/fwAKAAAAIgAAABgAAAAAAAAAAAAAAAAAAAAAAAAAAAAAAAAAAAAkAAAAJAAAAAAAAAAHAAAAAAAAAAAAAAAAAAAAAAAAAAAAAAAAAAAAf39/ACUAAABYAAAAAAAAAAAAAAAAAAAAAAAAAAAAAAAAAAAAAAAAAAAAAAAAAAAAAAAAAAAAAAA/AAAAAAAAAKCGAQAAAAAAAAAAAAAAAAAMAAAAAQAAAAAAAAAAAAAAAAAAAB8AAABUAAAAT4G9Bf///wEAAAAAAAAAAAAAAAAAAAAAAAAAAAAAAAAAAAAAAAAAAAAAAAJ/f38A7uzhA8zMzADAwP8Af39/AAAAAAAAAAAAAAAAAAAAAAAAAAAAIQAAABgAAAAUAAAA0AIAALcAAABwNQAA1gMAAAAAAAAmAAAACAAAAAEAAAAAAAAA"/>
+                <pr:smNativeData xmlns:pr="smNativeData" xmlns="smNativeData" val="SMDATA_15_iunWYhMAAAAlAAAAZAAAAA0AAAAAkAAAAEgAAACQAAAASAAAAAAAAAABAAAAAAAAAAEAAABQAAAAAAAAAAAA4D8AAAAAAADgPwAAAAAAAOA/AAAAAAAA4D8AAAAAAADgPwAAAAAAAOA/AAAAAAAA4D8AAAAAAADgPwAAAAAAAOA/AAAAAAAA4D8CAAAAjAAAAAAAAAAAAAAAT4G9DP///wgAAAAAAAAAAAAAAAAAAAAAAAAAAAAAAAAAAAAAZAAAAAEAAABAAAAAAAAAAAAAAAAAAAAAAAAAAAAAAAAAAAAAAAAAAAAAAAAAAAAAAAAAAAAAAAAAAAAAAAAAAAAAAAAAAAAAAAAAAAAAAAAAAAAAAAAAAAAAAAAAAAAAFAAAADwAAAAAAAAAAAAAAAAAAAkUAAAAAQAAABQAAAAUAAAAFAAAAAEAAAAAAAAAZAAAAGQAAAAAAAAAZAAAAGQAAAAVAAAAYAAAAAAAAAAAAAAADwAAACADAAAAAAAAAAAAAAEAAACgMgAAVgcAAKr4//8BAAAAf39/AAEAAABkAAAAAAAAABQAAABAHwAAAAAAACYAAAAAAAAAwOD//wAAAAAmAAAAZAAAABYAAABMAAAAAAAAAAAAAAAEAAAAAAAAAAEAAADu7OEKAAAAACgAAAAoAAAAZAAAAGQAAAAAAAAAzMzMAAAAAABQAAAAUAAAAGQAAABkAAAAAAAAABcAAAAUAAAAAAAAAAAAAAD/fwAA/38AAAAAAAAJAAAABAAAAFYAAAAeAAAAaAAAAAAAAAAAAAAAAAAAAAAAAAAAAAAAECcAABAnAAAAAAAAAAAAAAAAAAAAAAAAAAAAAAAAAAAAAAAAAAAAABQAAAAAAAAAwMD/AAAAAABkAAAAMgAAAAAAAABkAAAAAAAAAH9/fwAKAAAAIgAAABgAAAAAAAAAAAAAAAAAAAAAAAAAAAAAAAAAAAAkAAAAJAAAAAAAAAAHAAAAAAAAAAAAAAAAAAAAAAAAAAAAAAAAAAAAf39/ACUAAABYAAAAAAAAAAAAAAAAAAAAAAAAAAAAAAAAAAAAAAAAAAAAAAAAAAAAAAAAAAAAAAA/AAAAAAAAAKCGAQAAAAAAAAAAAAAAAAAMAAAAAQAAAAAAAAAAAAAAAAAAAB8AAABUAAAAT4G9Bf///wEAAAAAAAAAAAAAAAAAAAAAAAAAAAAAAAAAAAAAAAAAAAAAAAJ/f38A7uzhA8zMzADAwP8Af39/AAAAAAAAAAAAAAAAAAAAAAAAAAAAIQAAABgAAAAUAAAA0AIAALcAAABwNQAA1gMAAAAAAAAmAAAACAAAAAEAAAAAAAAA"/>
               </a:ext>
             </a:extLst>
           </p:cNvSpPr>
@@ -7859,7 +7833,7 @@
           <p:cNvSpPr txBox="1">
             <a:extLst>
               <a:ext uri="smNativeData">
-                <pr:smNativeData xmlns:pr="smNativeData" xmlns="smNativeData" val="SMDATA_15_JtjWYhMAAAAlAAAAEgAAAE8BAAAAkAAAAEgAAACQAAAASAAAAAAAAAAAAAAAAAAAAAEAAABQAAAAAAAAAAAA4D8AAAAAAADgPwAAAAAAAOA/AAAAAAAA4D8AAAAAAADgPwAAAAAAAOA/AAAAAAAA4D8AAAAAAADgPwAAAAAAAOA/AAAAAAAA4D8CAAAAjAAAAAAAAAAAAAAAT4G9DP///wgAAAAAAAAAAAAAAAAAAAAAAAAAAAAAAAAAAAAAZAAAAAEAAABAAAAAAAAAAAAAAAAAAAAAAAAAAAAAAAAAAAAAAAAAAAAAAAAAAAAAAAAAAAAAAAAAAAAAAAAAAAAAAAAAAAAAAAAAAAAAAAAAAAAAAAAAAAAAAAAAAAAAFAAAADwAAAAAAAAAAAAAAAAAAAkUAAAAAQAAABQAAAAUAAAAFAAAAAEAAAAAAAAAZAAAAGQAAAAAAAAAZAAAAGQAAAAVAAAAYAAAAAAAAAAAAAAADwAAACADAAAAAAAAAAAAAAEAAACgMgAAVgcAAKr4//8BAAAAf39/AAEAAABkAAAAAAAAABQAAABAHwAAAAAAACYAAAAAAAAAwOD//wAAAAAmAAAAZAAAABYAAABMAAAAAAAAAAAAAAAEAAAAAAAAAAEAAADu7OEKAAAAACgAAAAoAAAAZAAAAGQAAAAAAAAAzMzMAAAAAABQAAAAUAAAAGQAAABkAAAAAAAAABcAAAAUAAAAAAAAABkMAAD/fwAA/38AAAAAAAAJAAAABAAAAAAAAAAeAAAAaAAAAAAAAAAAAAAAAAAAAAAAAAAAAAAAECcAABAnAAAAAAAAAAAAAAAAAAAAAAAAAAAAAAAAAAAAAAAAAAAAABQAAAAAAAAAwMD/AAAAAABkAAAAMgAAAAAAAABkAAAAAAAAAH9/fwAKAAAAIgAAABgAAAAAAAAAAAAAAAAAAAAAAAAAAAAAAAAAAAAkAAAAJAAAAAAAAAAHAAAAAAAAAAAAAAAAAAAAAAAAAAAAAAAAAAAAf39/ACUAAABYAAAAAAAAAAAAAAAAAAAAAAAAAAAAAAAAAAAAAAAAAAAAAAAAAAAAAAAAAAAAAAA/AAAAAAAAAKCGAQAAAAAAAAAAAAAAAAAMAAAAAQAAAAAAAAAAAAAAAAAAAB8AAABUAAAAT4G9Bf///wEAAAAAAAAAAAAAAAAAAAAAAAAAAAAAAAAAAAAAAAAAAAAAAAJ/f38A7uzhA8zMzADAwP8Af39/AAAAAAAAAAAAAAAAAAAAAAAAAAAAIQAAABgAAAAUAAAAfAEAAN8FAAAWNwAAzwkAAAAgAAAmAAAACAAAAP//////////"/>
+                <pr:smNativeData xmlns:pr="smNativeData" xmlns="smNativeData" val="SMDATA_15_iunWYhMAAAAlAAAAEgAAAE8BAAAAkAAAAEgAAACQAAAASAAAAAAAAAAAAAAAAAAAAAEAAABQAAAAAAAAAAAA4D8AAAAAAADgPwAAAAAAAOA/AAAAAAAA4D8AAAAAAADgPwAAAAAAAOA/AAAAAAAA4D8AAAAAAADgPwAAAAAAAOA/AAAAAAAA4D8CAAAAjAAAAAAAAAAAAAAAT4G9DP///wgAAAAAAAAAAAAAAAAAAAAAAAAAAAAAAAAAAAAAZAAAAAEAAABAAAAAAAAAAAAAAAAAAAAAAAAAAAAAAAAAAAAAAAAAAAAAAAAAAAAAAAAAAAAAAAAAAAAAAAAAAAAAAAAAAAAAAAAAAAAAAAAAAAAAAAAAAAAAAAAAAAAAFAAAADwAAAAAAAAAAAAAAAAAAAkUAAAAAQAAABQAAAAUAAAAFAAAAAEAAAAAAAAAZAAAAGQAAAAAAAAAZAAAAGQAAAAVAAAAYAAAAAAAAAAAAAAADwAAACADAAAAAAAAAAAAAAEAAACgMgAAVgcAAKr4//8BAAAAf39/AAEAAABkAAAAAAAAABQAAABAHwAAAAAAACYAAAAAAAAAwOD//wAAAAAmAAAAZAAAABYAAABMAAAAAAAAAAAAAAAEAAAAAAAAAAEAAADu7OEKAAAAACgAAAAoAAAAZAAAAGQAAAAAAAAAzMzMAAAAAABQAAAAUAAAAGQAAABkAAAAAAAAABcAAAAUAAAAAAAAABkMAAD/fwAA/38AAAAAAAAJAAAABAAAAAAAAAAeAAAAaAAAAAAAAAAAAAAAAAAAAAAAAAAAAAAAECcAABAnAAAAAAAAAAAAAAAAAAAAAAAAAAAAAAAAAAAAAAAAAAAAABQAAAAAAAAAwMD/AAAAAABkAAAAMgAAAAAAAABkAAAAAAAAAH9/fwAKAAAAIgAAABgAAAAAAAAAAAAAAAAAAAAAAAAAAAAAAAAAAAAkAAAAJAAAAAAAAAAHAAAAAAAAAAAAAAAAAAAAAAAAAAAAAAAAAAAAf39/ACUAAABYAAAAAAAAAAAAAAAAAAAAAAAAAAAAAAAAAAAAAAAAAAAAAAAAAAAAAAAAAAAAAAA/AAAAAAAAAKCGAQAAAAAAAAAAAAAAAAAMAAAAAQAAAAAAAAAAAAAAAAAAAB8AAABUAAAAT4G9Bf///wEAAAAAAAAAAAAAAAAAAAAAAAAAAAAAAAAAAAAAAAAAAAAAAAJ/f38A7uzhA8zMzADAwP8Af39/AAAAAAAAAAAAAAAAAAAAAAAAAAAAIQAAABgAAAAUAAAAfAEAAN8FAAAWNwAAzwkAAAAgAAAmAAAACAAAAP//////////"/>
               </a:ext>
             </a:extLst>
           </p:cNvSpPr>
@@ -7938,7 +7912,7 @@
             <a:spLocks noGrp="1" noChangeArrowheads="1"/>
             <a:extLst>
               <a:ext uri="smNativeData">
-                <pr:smNativeData xmlns:pr="smNativeData" xmlns="smNativeData" val="SMDATA_15_JtjWYhMAAAAlAAAAZAAAAA0AAAAAkAAAAEgAAACQAAAASAAAAAAAAAABAAAAAAAAAAEAAABQAAAAAAAAAAAA4D8AAAAAAADgPwAAAAAAAOA/AAAAAAAA4D8AAAAAAADgPwAAAAAAAOA/AAAAAAAA4D8AAAAAAADgPwAAAAAAAOA/AAAAAAAA4D8CAAAAjAAAAAAAAAAAAAAAT4G9DP///wgAAAAAAAAAAAAAAAAAAAAAAAAAAAAAAAAAAAAAZAAAAAEAAABAAAAAAAAAAAAAAAAAAAAAAAAAAAAAAAAAAAAAAAAAAAAAAAAAAAAAAAAAAAAAAAAAAAAAAAAAAAAAAAAAAAAAAAAAAAAAAAAAAAAAAAAAAAAAAAAAAAAAFAAAADwAAAAAAAAAAAAAAAAAAAkUAAAAAQAAABQAAAAUAAAAFAAAAAEAAAAAAAAAZAAAAGQAAAAAAAAAZAAAAGQAAAAVAAAAYAAAAAAAAAAAAAAADwAAACADAAAAAAAAAAAAAAEAAACgMgAAVgcAAKr4//8BAAAAf39/AAEAAABkAAAAAAAAABQAAABAHwAAAAAAACYAAAAAAAAAwOD//wAAAAAmAAAAZAAAABYAAABMAAAAAAAAAAAAAAAEAAAAAAAAAAEAAADu7OEKAAAAACgAAAAoAAAAZAAAAGQAAAAAAAAAzMzMAAAAAABQAAAAUAAAAGQAAABkAAAAAAAAABcAAAAUAAAAAAAAAAAAAAD/fwAA/38AAAAAAAAJAAAABAAAAAAAAAEeAAAAaAAAAAAAAAAAAAAAAAAAAAAAAAAAAAAAECcAABAnAAAAAAAAAAAAAAAAAAAAAAAAAAAAAAAAAAAAAAAAAAAAABQAAAAAAAAAwMD/AAAAAABkAAAAMgAAAAAAAABkAAAAAAAAAH9/fwAKAAAAIgAAABgAAAAAAAAAAAAAAAAAAAAAAAAAAAAAAAAAAAAkAAAAJAAAAAAAAAAHAAAAAAAAAAAAAAAAAAAAAAAAAAAAAAAAAAAAf39/ACUAAABYAAAAAAAAAAAAAAAAAAAAAAAAAAAAAAAAAAAAAAAAAAAAAAAAAAAAAAAAAAAAAAA/AAAAAAAAAKCGAQAAAAAAAAAAAAAAAAAMAAAAAQAAAAAAAAAAAAAAAAAAAB8AAABUAAAAT4G9Bf///wEAAAAAAAAAAAAAAAAAAAAAAAAAAAAAAAAAAAAAAAAAAAAAAAJ/f38A7uzhA8zMzADAwP8Af39/AAAAAAAAAAAAAAAAAAAAAAAAAAAAIQAAABgAAAAUAAAA0AIAALcAAABwNQAA1gMAAAAAAAAmAAAACAAAAAEAAAAAAAAA"/>
+                <pr:smNativeData xmlns:pr="smNativeData" xmlns="smNativeData" val="SMDATA_15_iunWYhMAAAAlAAAAZAAAAA0AAAAAkAAAAEgAAACQAAAASAAAAAAAAAABAAAAAAAAAAEAAABQAAAAAAAAAAAA4D8AAAAAAADgPwAAAAAAAOA/AAAAAAAA4D8AAAAAAADgPwAAAAAAAOA/AAAAAAAA4D8AAAAAAADgPwAAAAAAAOA/AAAAAAAA4D8CAAAAjAAAAAAAAAAAAAAAT4G9DP///wgAAAAAAAAAAAAAAAAAAAAAAAAAAAAAAAAAAAAAZAAAAAEAAABAAAAAAAAAAAAAAAAAAAAAAAAAAAAAAAAAAAAAAAAAAAAAAAAAAAAAAAAAAAAAAAAAAAAAAAAAAAAAAAAAAAAAAAAAAAAAAAAAAAAAAAAAAAAAAAAAAAAAFAAAADwAAAAAAAAAAAAAAAAAAAkUAAAAAQAAABQAAAAUAAAAFAAAAAEAAAAAAAAAZAAAAGQAAAAAAAAAZAAAAGQAAAAVAAAAYAAAAAAAAAAAAAAADwAAACADAAAAAAAAAAAAAAEAAACgMgAAVgcAAKr4//8BAAAAf39/AAEAAABkAAAAAAAAABQAAABAHwAAAAAAACYAAAAAAAAAwOD//wAAAAAmAAAAZAAAABYAAABMAAAAAAAAAAAAAAAEAAAAAAAAAAEAAADu7OEKAAAAACgAAAAoAAAAZAAAAGQAAAAAAAAAzMzMAAAAAABQAAAAUAAAAGQAAABkAAAAAAAAABcAAAAUAAAAAAAAAAAAAAD/fwAA/38AAAAAAAAJAAAABAAAAAAAAAEeAAAAaAAAAAAAAAAAAAAAAAAAAAAAAAAAAAAAECcAABAnAAAAAAAAAAAAAAAAAAAAAAAAAAAAAAAAAAAAAAAAAAAAABQAAAAAAAAAwMD/AAAAAABkAAAAMgAAAAAAAABkAAAAAAAAAH9/fwAKAAAAIgAAABgAAAAAAAAAAAAAAAAAAAAAAAAAAAAAAAAAAAAkAAAAJAAAAAAAAAAHAAAAAAAAAAAAAAAAAAAAAAAAAAAAAAAAAAAAf39/ACUAAABYAAAAAAAAAAAAAAAAAAAAAAAAAAAAAAAAAAAAAAAAAAAAAAAAAAAAAAAAAAAAAAA/AAAAAAAAAKCGAQAAAAAAAAAAAAAAAAAMAAAAAQAAAAAAAAAAAAAAAAAAAB8AAABUAAAAT4G9Bf///wEAAAAAAAAAAAAAAAAAAAAAAAAAAAAAAAAAAAAAAAAAAAAAAAJ/f38A7uzhA8zMzADAwP8Af39/AAAAAAAAAAAAAAAAAAAAAAAAAAAAIQAAABgAAAAUAAAA0AIAALcAAABwNQAA1gMAAAAAAAAmAAAACAAAAAEAAAAAAAAA"/>
               </a:ext>
             </a:extLst>
           </p:cNvSpPr>
@@ -7971,7 +7945,7 @@
           <p:cNvSpPr txBox="1">
             <a:extLst>
               <a:ext uri="smNativeData">
-                <pr:smNativeData xmlns:pr="smNativeData" xmlns="smNativeData" val="SMDATA_15_JtjWYhMAAAAlAAAAEgAAAE8BAAAAkAAAAEgAAACQAAAASAAAAAAAAAAAAAAAAAAAAAEAAABQAAAAAAAAAAAA4D8AAAAAAADgPwAAAAAAAOA/AAAAAAAA4D8AAAAAAADgPwAAAAAAAOA/AAAAAAAA4D8AAAAAAADgPwAAAAAAAOA/AAAAAAAA4D8CAAAAjAAAAAAAAAAAAAAAT4G9DP///wgAAAAAAAAAAAAAAAAAAAAAAAAAAAAAAAAAAAAAZAAAAAEAAABAAAAAAAAAAAAAAAAAAAAAAAAAAAAAAAAAAAAAAAAAAAAAAAAAAAAAAAAAAAAAAAAAAAAAAAAAAAAAAAAAAAAAAAAAAAAAAAAAAAAAAAAAAAAAAAAAAAAAFAAAADwAAAAAAAAAAAAAAAAAAAkUAAAAAQAAABQAAAAUAAAAFAAAAAEAAAAAAAAAZAAAAGQAAAAAAAAAZAAAAGQAAAAVAAAAYAAAAAAAAAAAAAAADwAAACADAAAAAAAAAAAAAAEAAACgMgAAVgcAAKr4//8BAAAAf39/AAEAAABkAAAAAAAAABQAAABAHwAAAAAAACYAAAAAAAAAwOD//wAAAAAmAAAAZAAAABYAAABMAAAAAAAAAAAAAAAEAAAAAAAAAAEAAADu7OEKAAAAACgAAAAoAAAAZAAAAGQAAAAAAAAAzMzMAAAAAABQAAAAUAAAAGQAAABkAAAAAAAAABcAAAAUAAAAAAAAABkMAAD/fwAA/38AAAAAAAAJAAAABAAAAD7o2aweAAAAaAAAAAAAAAAAAAAAAAAAAAAAAAAAAAAAECcAABAnAAAAAAAAAAAAAAAAAAAAAAAAAAAAAAAAAAAAAAAAAAAAABQAAAAAAAAAwMD/AAAAAABkAAAAMgAAAAAAAABkAAAAAAAAAH9/fwAKAAAAIgAAABgAAAAAAAAAAAAAAAAAAAAAAAAAAAAAAAAAAAAkAAAAJAAAAAAAAAAHAAAAAAAAAAAAAAAAAAAAAAAAAAAAAAAAAAAAf39/ACUAAABYAAAAAAAAAAAAAAAAAAAAAAAAAAAAAAAAAAAAAAAAAAAAAAAAAAAAAAAAAAAAAAA/AAAAAAAAAKCGAQAAAAAAAAAAAAAAAAAMAAAAAQAAAAAAAAAAAAAAAAAAAB8AAABUAAAAT4G9Bf///wEAAAAAAAAAAAAAAAAAAAAAAAAAAAAAAAAAAAAAAAAAAAAAAAJ/f38A7uzhA8zMzADAwP8Af39/AAAAAAAAAAAAAAAAAAAAAAAAAAAAIQAAABgAAAAUAAAAfAAAAEIFAAB2GwAAkgwAAAAgAAAmAAAACAAAAP//////////"/>
+                <pr:smNativeData xmlns:pr="smNativeData" xmlns="smNativeData" val="SMDATA_15_iunWYhMAAAAlAAAAEgAAAE8BAAAAkAAAAEgAAACQAAAASAAAAAAAAAAAAAAAAAAAAAEAAABQAAAAAAAAAAAA4D8AAAAAAADgPwAAAAAAAOA/AAAAAAAA4D8AAAAAAADgPwAAAAAAAOA/AAAAAAAA4D8AAAAAAADgPwAAAAAAAOA/AAAAAAAA4D8CAAAAjAAAAAAAAAAAAAAAT4G9DP///wgAAAAAAAAAAAAAAAAAAAAAAAAAAAAAAAAAAAAAZAAAAAEAAABAAAAAAAAAAAAAAAAAAAAAAAAAAAAAAAAAAAAAAAAAAAAAAAAAAAAAAAAAAAAAAAAAAAAAAAAAAAAAAAAAAAAAAAAAAAAAAAAAAAAAAAAAAAAAAAAAAAAAFAAAADwAAAAAAAAAAAAAAAAAAAkUAAAAAQAAABQAAAAUAAAAFAAAAAEAAAAAAAAAZAAAAGQAAAAAAAAAZAAAAGQAAAAVAAAAYAAAAAAAAAAAAAAADwAAACADAAAAAAAAAAAAAAEAAACgMgAAVgcAAKr4//8BAAAAf39/AAEAAABkAAAAAAAAABQAAABAHwAAAAAAACYAAAAAAAAAwOD//wAAAAAmAAAAZAAAABYAAABMAAAAAAAAAAAAAAAEAAAAAAAAAAEAAADu7OEKAAAAACgAAAAoAAAAZAAAAGQAAAAAAAAAzMzMAAAAAABQAAAAUAAAAGQAAABkAAAAAAAAABcAAAAUAAAAAAAAABkMAAD/fwAA/38AAAAAAAAJAAAABAAAAD7o2aweAAAAaAAAAAAAAAAAAAAAAAAAAAAAAAAAAAAAECcAABAnAAAAAAAAAAAAAAAAAAAAAAAAAAAAAAAAAAAAAAAAAAAAABQAAAAAAAAAwMD/AAAAAABkAAAAMgAAAAAAAABkAAAAAAAAAH9/fwAKAAAAIgAAABgAAAAAAAAAAAAAAAAAAAAAAAAAAAAAAAAAAAAkAAAAJAAAAAAAAAAHAAAAAAAAAAAAAAAAAAAAAAAAAAAAAAAAAAAAf39/ACUAAABYAAAAAAAAAAAAAAAAAAAAAAAAAAAAAAAAAAAAAAAAAAAAAAAAAAAAAAAAAAAAAAA/AAAAAAAAAKCGAQAAAAAAAAAAAAAAAAAMAAAAAQAAAAAAAAAAAAAAAAAAAB8AAABUAAAAT4G9Bf///wEAAAAAAAAAAAAAAAAAAAAAAAAAAAAAAAAAAAAAAAAAAAAAAAJ/f38A7uzhA8zMzADAwP8Af39/AAAAAAAAAAAAAAAAAAAAAAAAAAAAIQAAABgAAAAUAAAAfAAAAEIFAAB2GwAAkgwAAAAgAAAmAAAACAAAAP//////////"/>
               </a:ext>
             </a:extLst>
           </p:cNvSpPr>
@@ -8125,7 +8099,7 @@
             <a:spLocks noGrp="1" noChangeArrowheads="1"/>
             <a:extLst>
               <a:ext uri="smNativeData">
-                <pr:smNativeData xmlns:pr="smNativeData" xmlns="smNativeData" val="SMDATA_15_JtjWYhMAAAAlAAAAZAAAAA0AAAAAkAAAAEgAAACQAAAASAAAAAAAAAABAAAAAAAAAAEAAABQAAAAAAAAAAAA4D8AAAAAAADgPwAAAAAAAOA/AAAAAAAA4D8AAAAAAADgPwAAAAAAAOA/AAAAAAAA4D8AAAAAAADgPwAAAAAAAOA/AAAAAAAA4D8CAAAAjAAAAAAAAAAAAAAAT4G9DP///wgAAAAAAAAAAAAAAAAAAAAAAAAAAAAAAAAAAAAAZAAAAAEAAABAAAAAAAAAAAAAAAAAAAAAAAAAAAAAAAAAAAAAAAAAAAAAAAAAAAAAAAAAAAAAAAAAAAAAAAAAAAAAAAAAAAAAAAAAAAAAAAAAAAAAAAAAAAAAAAAAAAAAFAAAADwAAAAAAAAAAAAAAAAAAAkUAAAAAQAAABQAAAAUAAAAFAAAAAEAAAAAAAAAZAAAAGQAAAAAAAAAZAAAAGQAAAAVAAAAYAAAAAAAAAAAAAAADwAAACADAAAAAAAAAAAAAAEAAACgMgAAVgcAAKr4//8BAAAAf39/AAEAAABkAAAAAAAAABQAAABAHwAAAAAAACYAAAAAAAAAwOD//wAAAAAmAAAAZAAAABYAAABMAAAAAAAAAAAAAAAEAAAAAAAAAAEAAADu7OEKAAAAACgAAAAoAAAAZAAAAGQAAAAAAAAAzMzMAAAAAABQAAAAUAAAAGQAAABkAAAAAAAAABcAAAAUAAAAAAAAAAAAAAD/fwAA/38AAAAAAAAJAAAABAAAAFYAAAAeAAAAaAAAAAAAAAAAAAAAAAAAAAAAAAAAAAAAECcAABAnAAAAAAAAAAAAAAAAAAAAAAAAAAAAAAAAAAAAAAAAAAAAABQAAAAAAAAAwMD/AAAAAABkAAAAMgAAAAAAAABkAAAAAAAAAH9/fwAKAAAAIgAAABgAAAAAAAAAAAAAAAAAAAAAAAAAAAAAAAAAAAAkAAAAJAAAAAAAAAAHAAAAAAAAAAAAAAAAAAAAAAAAAAAAAAAAAAAAf39/ACUAAABYAAAAAAAAAAAAAAAAAAAAAAAAAAAAAAAAAAAAAAAAAAAAAAAAAAAAAAAAAAAAAAA/AAAAAAAAAKCGAQAAAAAAAAAAAAAAAAAMAAAAAQAAAAAAAAAAAAAAAAAAAB8AAABUAAAAT4G9Bf///wEAAAAAAAAAAAAAAAAAAAAAAAAAAAAAAAAAAAAAAAAAAAAAAAJ/f38A7uzhA8zMzADAwP8Af39/AAAAAAAAAAAAAAAAAAAAAAAAAAAAIQAAABgAAAAUAAAA0AIAALcAAABwNQAA1gMAAAAAAAAmAAAACAAAAAEAAAAAAAAA"/>
+                <pr:smNativeData xmlns:pr="smNativeData" xmlns="smNativeData" val="SMDATA_15_iunWYhMAAAAlAAAAZAAAAA0AAAAAkAAAAEgAAACQAAAASAAAAAAAAAABAAAAAAAAAAEAAABQAAAAAAAAAAAA4D8AAAAAAADgPwAAAAAAAOA/AAAAAAAA4D8AAAAAAADgPwAAAAAAAOA/AAAAAAAA4D8AAAAAAADgPwAAAAAAAOA/AAAAAAAA4D8CAAAAjAAAAAAAAAAAAAAAT4G9DP///wgAAAAAAAAAAAAAAAAAAAAAAAAAAAAAAAAAAAAAZAAAAAEAAABAAAAAAAAAAAAAAAAAAAAAAAAAAAAAAAAAAAAAAAAAAAAAAAAAAAAAAAAAAAAAAAAAAAAAAAAAAAAAAAAAAAAAAAAAAAAAAAAAAAAAAAAAAAAAAAAAAAAAFAAAADwAAAAAAAAAAAAAAAAAAAkUAAAAAQAAABQAAAAUAAAAFAAAAAEAAAAAAAAAZAAAAGQAAAAAAAAAZAAAAGQAAAAVAAAAYAAAAAAAAAAAAAAADwAAACADAAAAAAAAAAAAAAEAAACgMgAAVgcAAKr4//8BAAAAf39/AAEAAABkAAAAAAAAABQAAABAHwAAAAAAACYAAAAAAAAAwOD//wAAAAAmAAAAZAAAABYAAABMAAAAAAAAAAAAAAAEAAAAAAAAAAEAAADu7OEKAAAAACgAAAAoAAAAZAAAAGQAAAAAAAAAzMzMAAAAAABQAAAAUAAAAGQAAABkAAAAAAAAABcAAAAUAAAAAAAAAAAAAAD/fwAA/38AAAAAAAAJAAAABAAAAFYAAAAeAAAAaAAAAAAAAAAAAAAAAAAAAAAAAAAAAAAAECcAABAnAAAAAAAAAAAAAAAAAAAAAAAAAAAAAAAAAAAAAAAAAAAAABQAAAAAAAAAwMD/AAAAAABkAAAAMgAAAAAAAABkAAAAAAAAAH9/fwAKAAAAIgAAABgAAAAAAAAAAAAAAAAAAAAAAAAAAAAAAAAAAAAkAAAAJAAAAAAAAAAHAAAAAAAAAAAAAAAAAAAAAAAAAAAAAAAAAAAAf39/ACUAAABYAAAAAAAAAAAAAAAAAAAAAAAAAAAAAAAAAAAAAAAAAAAAAAAAAAAAAAAAAAAAAAA/AAAAAAAAAKCGAQAAAAAAAAAAAAAAAAAMAAAAAQAAAAAAAAAAAAAAAAAAAB8AAABUAAAAT4G9Bf///wEAAAAAAAAAAAAAAAAAAAAAAAAAAAAAAAAAAAAAAAAAAAAAAAJ/f38A7uzhA8zMzADAwP8Af39/AAAAAAAAAAAAAAAAAAAAAAAAAAAAIQAAABgAAAAUAAAA0AIAALcAAABwNQAA1gMAAAAAAAAmAAAACAAAAAEAAAAAAAAA"/>
               </a:ext>
             </a:extLst>
           </p:cNvSpPr>
@@ -8158,7 +8132,7 @@
           <p:cNvSpPr txBox="1">
             <a:extLst>
               <a:ext uri="smNativeData">
-                <pr:smNativeData xmlns:pr="smNativeData" xmlns="smNativeData" val="SMDATA_15_JtjWYhMAAAAlAAAAEgAAAE8BAAAAkAAAAEgAAACQAAAASAAAAAAAAAAAAAAAAAAAAAEAAABQAAAAAAAAAAAA4D8AAAAAAADgPwAAAAAAAOA/AAAAAAAA4D8AAAAAAADgPwAAAAAAAOA/AAAAAAAA4D8AAAAAAADgPwAAAAAAAOA/AAAAAAAA4D8CAAAAjAAAAAAAAAAAAAAAT4G9DP///wgAAAAAAAAAAAAAAAAAAAAAAAAAAAAAAAAAAAAAZAAAAAEAAABAAAAAAAAAAAAAAAAAAAAAAAAAAAAAAAAAAAAAAAAAAAAAAAAAAAAAAAAAAAAAAAAAAAAAAAAAAAAAAAAAAAAAAAAAAAAAAAAAAAAAAAAAAAAAAAAAAAAAFAAAADwAAAAAAAAAAAAAAAAAAAkUAAAAAQAAABQAAAAUAAAAFAAAAAEAAAAAAAAAZAAAAGQAAAAAAAAAZAAAAGQAAAAVAAAAYAAAAAAAAAAAAAAADwAAACADAAAAAAAAAAAAAAEAAACgMgAAVgcAAKr4//8BAAAAf39/AAEAAABkAAAAAAAAABQAAABAHwAAAAAAACYAAAAAAAAAwOD//wAAAAAmAAAAZAAAABYAAABMAAAAAAAAAAAAAAAEAAAAAAAAAAEAAADu7OEKAAAAACgAAAAoAAAAZAAAAGQAAAAAAAAAzMzMAAAAAABQAAAAUAAAAGQAAABkAAAAAAAAABcAAAAUAAAAAAAAABkMAAD/fwAA/38AAAAAAAAJAAAABAAAAD7o2aweAAAAaAAAAAAAAAAAAAAAAAAAAAAAAAAAAAAAECcAABAnAAAAAAAAAAAAAAAAAAAAAAAAAAAAAAAAAAAAAAAAAAAAABQAAAAAAAAAwMD/AAAAAABkAAAAMgAAAAAAAABkAAAAAAAAAH9/fwAKAAAAIgAAABgAAAAAAAAAAAAAAAAAAAAAAAAAAAAAAAAAAAAkAAAAJAAAAAAAAAAHAAAAAAAAAAAAAAAAAAAAAAAAAAAAAAAAAAAAf39/ACUAAABYAAAAAAAAAAAAAAAAAAAAAAAAAAAAAAAAAAAAAAAAAAAAAAAAAAAAAAAAAAAAAAA/AAAAAAAAAKCGAQAAAAAAAAAAAAAAAAAMAAAAAQAAAAAAAAAAAAAAAAAAAB8AAABUAAAAT4G9Bf///wEAAAAAAAAAAAAAAAAAAAAAAAAAAAAAAAAAAAAAAAAAAAAAAAJ/f38A7uzhA8zMzADAwP8Af39/AAAAAAAAAAAAAAAAAAAAAAAAAAAAIQAAABgAAAAUAAAAfAAAAEIFAAB2GwAAkgwAAAAgAAAmAAAACAAAAP//////////"/>
+                <pr:smNativeData xmlns:pr="smNativeData" xmlns="smNativeData" val="SMDATA_15_iunWYhMAAAAlAAAAEgAAAE8BAAAAkAAAAEgAAACQAAAASAAAAAAAAAAAAAAAAAAAAAEAAABQAAAAAAAAAAAA4D8AAAAAAADgPwAAAAAAAOA/AAAAAAAA4D8AAAAAAADgPwAAAAAAAOA/AAAAAAAA4D8AAAAAAADgPwAAAAAAAOA/AAAAAAAA4D8CAAAAjAAAAAAAAAAAAAAAT4G9DP///wgAAAAAAAAAAAAAAAAAAAAAAAAAAAAAAAAAAAAAZAAAAAEAAABAAAAAAAAAAAAAAAAAAAAAAAAAAAAAAAAAAAAAAAAAAAAAAAAAAAAAAAAAAAAAAAAAAAAAAAAAAAAAAAAAAAAAAAAAAAAAAAAAAAAAAAAAAAAAAAAAAAAAFAAAADwAAAAAAAAAAAAAAAAAAAkUAAAAAQAAABQAAAAUAAAAFAAAAAEAAAAAAAAAZAAAAGQAAAAAAAAAZAAAAGQAAAAVAAAAYAAAAAAAAAAAAAAADwAAACADAAAAAAAAAAAAAAEAAACgMgAAVgcAAKr4//8BAAAAf39/AAEAAABkAAAAAAAAABQAAABAHwAAAAAAACYAAAAAAAAAwOD//wAAAAAmAAAAZAAAABYAAABMAAAAAAAAAAAAAAAEAAAAAAAAAAEAAADu7OEKAAAAACgAAAAoAAAAZAAAAGQAAAAAAAAAzMzMAAAAAABQAAAAUAAAAGQAAABkAAAAAAAAABcAAAAUAAAAAAAAABkMAAD/fwAA/38AAAAAAAAJAAAABAAAAD7o2aweAAAAaAAAAAAAAAAAAAAAAAAAAAAAAAAAAAAAECcAABAnAAAAAAAAAAAAAAAAAAAAAAAAAAAAAAAAAAAAAAAAAAAAABQAAAAAAAAAwMD/AAAAAABkAAAAMgAAAAAAAABkAAAAAAAAAH9/fwAKAAAAIgAAABgAAAAAAAAAAAAAAAAAAAAAAAAAAAAAAAAAAAAkAAAAJAAAAAAAAAAHAAAAAAAAAAAAAAAAAAAAAAAAAAAAAAAAAAAAf39/ACUAAABYAAAAAAAAAAAAAAAAAAAAAAAAAAAAAAAAAAAAAAAAAAAAAAAAAAAAAAAAAAAAAAA/AAAAAAAAAKCGAQAAAAAAAAAAAAAAAAAMAAAAAQAAAAAAAAAAAAAAAAAAAB8AAABUAAAAT4G9Bf///wEAAAAAAAAAAAAAAAAAAAAAAAAAAAAAAAAAAAAAAAAAAAAAAAJ/f38A7uzhA8zMzADAwP8Af39/AAAAAAAAAAAAAAAAAAAAAAAAAAAAIQAAABgAAAAUAAAAfAAAAEIFAAB2GwAAkgwAAAAgAAAmAAAACAAAAP//////////"/>
               </a:ext>
             </a:extLst>
           </p:cNvSpPr>
@@ -8279,7 +8253,7 @@
           <p:cNvSpPr txBox="1">
             <a:extLst>
               <a:ext uri="smNativeData">
-                <pr:smNativeData xmlns:pr="smNativeData" xmlns="smNativeData" val="SMDATA_15_JtjWYhMAAAAlAAAAEgAAAE8BAAAAkAAAAEgAAACQAAAASAAAAAAAAAAAAAAAAAAAAAEAAABQAAAAAAAAAAAA4D8AAAAAAADgPwAAAAAAAOA/AAAAAAAA4D8AAAAAAADgPwAAAAAAAOA/AAAAAAAA4D8AAAAAAADgPwAAAAAAAOA/AAAAAAAA4D8CAAAAjAAAAAAAAAAAAAAAT4G9DP///wgAAAAAAAAAAAAAAAAAAAAAAAAAAAAAAAAAAAAAZAAAAAEAAABAAAAAAAAAAAAAAAAAAAAAAAAAAAAAAAAAAAAAAAAAAAAAAAAAAAAAAAAAAAAAAAAAAAAAAAAAAAAAAAAAAAAAAAAAAAAAAAAAAAAAAAAAAAAAAAAAAAAAFAAAADwAAAAAAAAAAAAAAAAAAAkUAAAAAQAAABQAAAAUAAAAFAAAAAEAAAAAAAAAZAAAAGQAAAAAAAAAZAAAAGQAAAAVAAAAYAAAAAAAAAAAAAAADwAAACADAAAAAAAAAAAAAAEAAACgMgAAVgcAAKr4//8BAAAAf39/AAEAAABkAAAAAAAAABQAAABAHwAAAAAAACYAAAAAAAAAwOD//wAAAAAmAAAAZAAAABYAAABMAAAAAAAAAAAAAAAEAAAAAAAAAAEAAADu7OEKAAAAACgAAAAoAAAAZAAAAGQAAAAAAAAAzMzMAAAAAABQAAAAUAAAAGQAAABkAAAAAAAAABcAAAAUAAAAAAAAABkMAAD/fwAA/38AAAAAAAAJAAAABAAAAAAAAAEeAAAAaAAAAAAAAAAAAAAAAAAAAAAAAAAAAAAAECcAABAnAAAAAAAAAAAAAAAAAAAAAAAAAAAAAAAAAAAAAAAAAAAAABQAAAAAAAAAwMD/AAAAAABkAAAAMgAAAAAAAABkAAAAAAAAAH9/fwAKAAAAIgAAABgAAAAAAAAAAAAAAAAAAAAAAAAAAAAAAAAAAAAkAAAAJAAAAAAAAAAHAAAAAAAAAAAAAAAAAAAAAAAAAAAAAAAAAAAAf39/ACUAAABYAAAAAAAAAAAAAAAAAAAAAAAAAAAAAAAAAAAAAAAAAAAAAAAAAAAAAAAAAAAAAAA/AAAAAAAAAKCGAQAAAAAAAAAAAAAAAAAMAAAAAQAAAAAAAAAAAAAAAAAAAB8AAABUAAAAT4G9Bf///wEAAAAAAAAAAAAAAAAAAAAAAAAAAAAAAAAAAAAAAAAAAAAAAAJ/f38A7uzhA8zMzADAwP8Af39/AAAAAAAAAAAAAAAAAAAAAAAAAAAAIQAAABgAAAAUAAAAfAAAAOAMAACHGwAAUCcAAAAgAAAmAAAACAAAAP//////////"/>
+                <pr:smNativeData xmlns:pr="smNativeData" xmlns="smNativeData" val="SMDATA_15_iunWYhMAAAAlAAAAEgAAAE8BAAAAkAAAAEgAAACQAAAASAAAAAAAAAAAAAAAAAAAAAEAAABQAAAAAAAAAAAA4D8AAAAAAADgPwAAAAAAAOA/AAAAAAAA4D8AAAAAAADgPwAAAAAAAOA/AAAAAAAA4D8AAAAAAADgPwAAAAAAAOA/AAAAAAAA4D8CAAAAjAAAAAAAAAAAAAAAT4G9DP///wgAAAAAAAAAAAAAAAAAAAAAAAAAAAAAAAAAAAAAZAAAAAEAAABAAAAAAAAAAAAAAAAAAAAAAAAAAAAAAAAAAAAAAAAAAAAAAAAAAAAAAAAAAAAAAAAAAAAAAAAAAAAAAAAAAAAAAAAAAAAAAAAAAAAAAAAAAAAAAAAAAAAAFAAAADwAAAAAAAAAAAAAAAAAAAkUAAAAAQAAABQAAAAUAAAAFAAAAAEAAAAAAAAAZAAAAGQAAAAAAAAAZAAAAGQAAAAVAAAAYAAAAAAAAAAAAAAADwAAACADAAAAAAAAAAAAAAEAAACgMgAAVgcAAKr4//8BAAAAf39/AAEAAABkAAAAAAAAABQAAABAHwAAAAAAACYAAAAAAAAAwOD//wAAAAAmAAAAZAAAABYAAABMAAAAAAAAAAAAAAAEAAAAAAAAAAEAAADu7OEKAAAAACgAAAAoAAAAZAAAAGQAAAAAAAAAzMzMAAAAAABQAAAAUAAAAGQAAABkAAAAAAAAABcAAAAUAAAAAAAAABkMAAD/fwAA/38AAAAAAAAJAAAABAAAAAAAAAEeAAAAaAAAAAAAAAAAAAAAAAAAAAAAAAAAAAAAECcAABAnAAAAAAAAAAAAAAAAAAAAAAAAAAAAAAAAAAAAAAAAAAAAABQAAAAAAAAAwMD/AAAAAABkAAAAMgAAAAAAAABkAAAAAAAAAH9/fwAKAAAAIgAAABgAAAAAAAAAAAAAAAAAAAAAAAAAAAAAAAAAAAAkAAAAJAAAAAAAAAAHAAAAAAAAAAAAAAAAAAAAAAAAAAAAAAAAAAAAf39/ACUAAABYAAAAAAAAAAAAAAAAAAAAAAAAAAAAAAAAAAAAAAAAAAAAAAAAAAAAAAAAAAAAAAA/AAAAAAAAAKCGAQAAAAAAAAAAAAAAAAAMAAAAAQAAAAAAAAAAAAAAAAAAAB8AAABUAAAAT4G9Bf///wEAAAAAAAAAAAAAAAAAAAAAAAAAAAAAAAAAAAAAAAAAAAAAAAJ/f38A7uzhA8zMzADAwP8Af39/AAAAAAAAAAAAAAAAAAAAAAAAAAAAIQAAABgAAAAUAAAAfAAAAOAMAACHGwAAUCcAAAAgAAAmAAAACAAAAP//////////"/>
               </a:ext>
             </a:extLst>
           </p:cNvSpPr>
@@ -8640,7 +8614,7 @@
             <a:spLocks noGrp="1" noChangeArrowheads="1"/>
             <a:extLst>
               <a:ext uri="smNativeData">
-                <pr:smNativeData xmlns:pr="smNativeData" xmlns="smNativeData" val="SMDATA_15_JtjWYhMAAAAlAAAAZAAAAA0AAAAAkAAAAEgAAACQAAAASAAAAAAAAAABAAAAAAAAAAEAAABQAAAAAAAAAAAA4D8AAAAAAADgPwAAAAAAAOA/AAAAAAAA4D8AAAAAAADgPwAAAAAAAOA/AAAAAAAA4D8AAAAAAADgPwAAAAAAAOA/AAAAAAAA4D8CAAAAjAAAAAAAAAAAAAAAT4G9DP///wgAAAAAAAAAAAAAAAAAAAAAAAAAAAAAAAAAAAAAZAAAAAEAAABAAAAAAAAAAAAAAAAAAAAAAAAAAAAAAAAAAAAAAAAAAAAAAAAAAAAAAAAAAAAAAAAAAAAAAAAAAAAAAAAAAAAAAAAAAAAAAAAAAAAAAAAAAAAAAAAAAAAAFAAAADwAAAAAAAAAAAAAAAAAAAkUAAAAAQAAABQAAAAUAAAAFAAAAAEAAAAAAAAAZAAAAGQAAAAAAAAAZAAAAGQAAAAVAAAAYAAAAAAAAAAAAAAADwAAACADAAAAAAAAAAAAAAEAAACgMgAAVgcAAKr4//8BAAAAf39/AAEAAABkAAAAAAAAABQAAABAHwAAAAAAACYAAAAAAAAAwOD//wAAAAAmAAAAZAAAABYAAABMAAAAAAAAAAAAAAAEAAAAAAAAAAEAAADu7OEKAAAAACgAAAAoAAAAZAAAAGQAAAAAAAAAzMzMAAAAAABQAAAAUAAAAGQAAABkAAAAAAAAABcAAAAUAAAAAAAAAAAAAAD/fwAA/38AAAAAAAAJAAAABAAAAAAAAAEeAAAAaAAAAAAAAAAAAAAAAAAAAAAAAAAAAAAAECcAABAnAAAAAAAAAAAAAAAAAAAAAAAAAAAAAAAAAAAAAAAAAAAAABQAAAAAAAAAwMD/AAAAAABkAAAAMgAAAAAAAABkAAAAAAAAAH9/fwAKAAAAIgAAABgAAAAAAAAAAAAAAAAAAAAAAAAAAAAAAAAAAAAkAAAAJAAAAAAAAAAHAAAAAAAAAAAAAAAAAAAAAAAAAAAAAAAAAAAAf39/ACUAAABYAAAAAAAAAAAAAAAAAAAAAAAAAAAAAAAAAAAAAAAAAAAAAAAAAAAAAAAAAAAAAAA/AAAAAAAAAKCGAQAAAAAAAAAAAAAAAAAMAAAAAQAAAAAAAAAAAAAAAAAAAB8AAABUAAAAT4G9Bf///wEAAAAAAAAAAAAAAAAAAAAAAAAAAAAAAAAAAAAAAAAAAAAAAAJ/f38A7uzhA8zMzADAwP8Af39/AAAAAAAAAAAAAAAAAAAAAAAAAAAAIQAAABgAAAAUAAAA0AIAALcAAABwNQAA1gMAAAAAAAAmAAAACAAAAAEAAAAAAAAA"/>
+                <pr:smNativeData xmlns:pr="smNativeData" xmlns="smNativeData" val="SMDATA_15_iunWYhMAAAAlAAAAZAAAAA0AAAAAkAAAAEgAAACQAAAASAAAAAAAAAABAAAAAAAAAAEAAABQAAAAAAAAAAAA4D8AAAAAAADgPwAAAAAAAOA/AAAAAAAA4D8AAAAAAADgPwAAAAAAAOA/AAAAAAAA4D8AAAAAAADgPwAAAAAAAOA/AAAAAAAA4D8CAAAAjAAAAAAAAAAAAAAAT4G9DP///wgAAAAAAAAAAAAAAAAAAAAAAAAAAAAAAAAAAAAAZAAAAAEAAABAAAAAAAAAAAAAAAAAAAAAAAAAAAAAAAAAAAAAAAAAAAAAAAAAAAAAAAAAAAAAAAAAAAAAAAAAAAAAAAAAAAAAAAAAAAAAAAAAAAAAAAAAAAAAAAAAAAAAFAAAADwAAAAAAAAAAAAAAAAAAAkUAAAAAQAAABQAAAAUAAAAFAAAAAEAAAAAAAAAZAAAAGQAAAAAAAAAZAAAAGQAAAAVAAAAYAAAAAAAAAAAAAAADwAAACADAAAAAAAAAAAAAAEAAACgMgAAVgcAAKr4//8BAAAAf39/AAEAAABkAAAAAAAAABQAAABAHwAAAAAAACYAAAAAAAAAwOD//wAAAAAmAAAAZAAAABYAAABMAAAAAAAAAAAAAAAEAAAAAAAAAAEAAADu7OEKAAAAACgAAAAoAAAAZAAAAGQAAAAAAAAAzMzMAAAAAABQAAAAUAAAAGQAAABkAAAAAAAAABcAAAAUAAAAAAAAAAAAAAD/fwAA/38AAAAAAAAJAAAABAAAAAAAAAEeAAAAaAAAAAAAAAAAAAAAAAAAAAAAAAAAAAAAECcAABAnAAAAAAAAAAAAAAAAAAAAAAAAAAAAAAAAAAAAAAAAAAAAABQAAAAAAAAAwMD/AAAAAABkAAAAMgAAAAAAAABkAAAAAAAAAH9/fwAKAAAAIgAAABgAAAAAAAAAAAAAAAAAAAAAAAAAAAAAAAAAAAAkAAAAJAAAAAAAAAAHAAAAAAAAAAAAAAAAAAAAAAAAAAAAAAAAAAAAf39/ACUAAABYAAAAAAAAAAAAAAAAAAAAAAAAAAAAAAAAAAAAAAAAAAAAAAAAAAAAAAAAAAAAAAA/AAAAAAAAAKCGAQAAAAAAAAAAAAAAAAAMAAAAAQAAAAAAAAAAAAAAAAAAAB8AAABUAAAAT4G9Bf///wEAAAAAAAAAAAAAAAAAAAAAAAAAAAAAAAAAAAAAAAAAAAAAAAJ/f38A7uzhA8zMzADAwP8Af39/AAAAAAAAAAAAAAAAAAAAAAAAAAAAIQAAABgAAAAUAAAA0AIAALcAAABwNQAA1gMAAAAAAAAmAAAACAAAAAEAAAAAAAAA"/>
               </a:ext>
             </a:extLst>
           </p:cNvSpPr>
@@ -8673,7 +8647,7 @@
           <p:cNvSpPr txBox="1">
             <a:extLst>
               <a:ext uri="smNativeData">
-                <pr:smNativeData xmlns:pr="smNativeData" xmlns="smNativeData" val="SMDATA_15_JtjWYhMAAAAlAAAAEgAAAE8BAAAAkAAAAEgAAACQAAAASAAAAAAAAAAAAAAAAAAAAAEAAABQAAAAAAAAAAAA4D8AAAAAAADgPwAAAAAAAOA/AAAAAAAA4D8AAAAAAADgPwAAAAAAAOA/AAAAAAAA4D8AAAAAAADgPwAAAAAAAOA/AAAAAAAA4D8CAAAAjAAAAAAAAAAAAAAAT4G9DP///wgAAAAAAAAAAAAAAAAAAAAAAAAAAAAAAAAAAAAAZAAAAAEAAABAAAAAAAAAAAAAAAAAAAAAAAAAAAAAAAAAAAAAAAAAAAAAAAAAAAAAAAAAAAAAAAAAAAAAAAAAAAAAAAAAAAAAAAAAAAAAAAAAAAAAAAAAAAAAAAAAAAAAFAAAADwAAAAAAAAAAAAAAAAAAAkUAAAAAQAAABQAAAAUAAAAFAAAAAEAAAAAAAAAZAAAAGQAAAAAAAAAZAAAAGQAAAAVAAAAYAAAAAAAAAAAAAAADwAAACADAAAAAAAAAAAAAAEAAACgMgAAVgcAAKr4//8BAAAAf39/AAEAAABkAAAAAAAAABQAAABAHwAAAAAAACYAAAAAAAAAwOD//wAAAAAmAAAAZAAAABYAAABMAAAAAAAAAAAAAAAEAAAAAAAAAAEAAADu7OEKAAAAACgAAAAoAAAAZAAAAGQAAAAAAAAAzMzMAAAAAABQAAAAUAAAAGQAAABkAAAAAAAAABcAAAAUAAAAAAAAABkMAAD/fwAA/38AAAAAAAAJAAAABAAAAAAAAAAeAAAAaAAAAAAAAAAAAAAAAAAAAAAAAAAAAAAAECcAABAnAAAAAAAAAAAAAAAAAAAAAAAAAAAAAAAAAAAAAAAAAAAAABQAAAAAAAAAwMD/AAAAAABkAAAAMgAAAAAAAABkAAAAAAAAAH9/fwAKAAAAIgAAABgAAAAAAAAAAAAAAAAAAAAAAAAAAAAAAAAAAAAkAAAAJAAAAAAAAAAHAAAAAAAAAAAAAAAAAAAAAAAAAAAAAAAAAAAAf39/ACUAAABYAAAAAAAAAAAAAAAAAAAAAAAAAAAAAAAAAAAAAAAAAAAAAAAAAAAAAAAAAAAAAAA/AAAAAAAAAKCGAQAAAAAAAAAAAAAAAAAMAAAAAQAAAAAAAAAAAAAAAAAAAB8AAABUAAAAT4G9Bf///wEAAAAAAAAAAAAAAAAAAAAAAAAAAAAAAAAAAAAAAAAAAAAAAAJ/f38A7uzhA8zMzADAwP8Af39/AAAAAAAAAAAAAAAAAAAAAAAAAAAAIQAAABgAAAAUAAAAfAAAAEIFAAB2GwAAkgwAAAAgAAAmAAAACAAAAP//////////"/>
+                <pr:smNativeData xmlns:pr="smNativeData" xmlns="smNativeData" val="SMDATA_15_iunWYhMAAAAlAAAAEgAAAE8BAAAAkAAAAEgAAACQAAAASAAAAAAAAAAAAAAAAAAAAAEAAABQAAAAAAAAAAAA4D8AAAAAAADgPwAAAAAAAOA/AAAAAAAA4D8AAAAAAADgPwAAAAAAAOA/AAAAAAAA4D8AAAAAAADgPwAAAAAAAOA/AAAAAAAA4D8CAAAAjAAAAAAAAAAAAAAAT4G9DP///wgAAAAAAAAAAAAAAAAAAAAAAAAAAAAAAAAAAAAAZAAAAAEAAABAAAAAAAAAAAAAAAAAAAAAAAAAAAAAAAAAAAAAAAAAAAAAAAAAAAAAAAAAAAAAAAAAAAAAAAAAAAAAAAAAAAAAAAAAAAAAAAAAAAAAAAAAAAAAAAAAAAAAFAAAADwAAAAAAAAAAAAAAAAAAAkUAAAAAQAAABQAAAAUAAAAFAAAAAEAAAAAAAAAZAAAAGQAAAAAAAAAZAAAAGQAAAAVAAAAYAAAAAAAAAAAAAAADwAAACADAAAAAAAAAAAAAAEAAACgMgAAVgcAAKr4//8BAAAAf39/AAEAAABkAAAAAAAAABQAAABAHwAAAAAAACYAAAAAAAAAwOD//wAAAAAmAAAAZAAAABYAAABMAAAAAAAAAAAAAAAEAAAAAAAAAAEAAADu7OEKAAAAACgAAAAoAAAAZAAAAGQAAAAAAAAAzMzMAAAAAABQAAAAUAAAAGQAAABkAAAAAAAAABcAAAAUAAAAAAAAABkMAAD/fwAA/38AAAAAAAAJAAAABAAAAAAAAAAeAAAAaAAAAAAAAAAAAAAAAAAAAAAAAAAAAAAAECcAABAnAAAAAAAAAAAAAAAAAAAAAAAAAAAAAAAAAAAAAAAAAAAAABQAAAAAAAAAwMD/AAAAAABkAAAAMgAAAAAAAABkAAAAAAAAAH9/fwAKAAAAIgAAABgAAAAAAAAAAAAAAAAAAAAAAAAAAAAAAAAAAAAkAAAAJAAAAAAAAAAHAAAAAAAAAAAAAAAAAAAAAAAAAAAAAAAAAAAAf39/ACUAAABYAAAAAAAAAAAAAAAAAAAAAAAAAAAAAAAAAAAAAAAAAAAAAAAAAAAAAAAAAAAAAAA/AAAAAAAAAKCGAQAAAAAAAAAAAAAAAAAMAAAAAQAAAAAAAAAAAAAAAAAAAB8AAABUAAAAT4G9Bf///wEAAAAAAAAAAAAAAAAAAAAAAAAAAAAAAAAAAAAAAAAAAAAAAAJ/f38A7uzhA8zMzADAwP8Af39/AAAAAAAAAAAAAAAAAAAAAAAAAAAAIQAAABgAAAAUAAAAfAAAAEIFAAB2GwAAkgwAAAAgAAAmAAAACAAAAP//////////"/>
               </a:ext>
             </a:extLst>
           </p:cNvSpPr>
@@ -8794,7 +8768,7 @@
           <p:cNvSpPr txBox="1">
             <a:extLst>
               <a:ext uri="smNativeData">
-                <pr:smNativeData xmlns:pr="smNativeData" xmlns="smNativeData" val="SMDATA_15_JtjWYhMAAAAlAAAAEgAAAE8BAAAAkAAAAEgAAACQAAAASAAAAAAAAAAAAAAAAAAAAAEAAABQAAAAAAAAAAAA4D8AAAAAAADgPwAAAAAAAOA/AAAAAAAA4D8AAAAAAADgPwAAAAAAAOA/AAAAAAAA4D8AAAAAAADgPwAAAAAAAOA/AAAAAAAA4D8CAAAAjAAAAAAAAAAAAAAAT4G9DP///wgAAAAAAAAAAAAAAAAAAAAAAAAAAAAAAAAAAAAAZAAAAAEAAABAAAAAAAAAAAAAAAAAAAAAAAAAAAAAAAAAAAAAAAAAAAAAAAAAAAAAAAAAAAAAAAAAAAAAAAAAAAAAAAAAAAAAAAAAAAAAAAAAAAAAAAAAAAAAAAAAAAAAFAAAADwAAAAAAAAAAAAAAAAAAAkUAAAAAQAAABQAAAAUAAAAFAAAAAEAAAAAAAAAZAAAAGQAAAAAAAAAZAAAAGQAAAAVAAAAYAAAAAAAAAAAAAAADwAAACADAAAAAAAAAAAAAAEAAACgMgAAVgcAAKr4//8BAAAAf39/AAEAAABkAAAAAAAAABQAAABAHwAAAAAAACYAAAAAAAAAwOD//wAAAAAmAAAAZAAAABYAAABMAAAAAAAAAAAAAAAEAAAAAAAAAAEAAADu7OEKAAAAACgAAAAoAAAAZAAAAGQAAAAAAAAAzMzMAAAAAABQAAAAUAAAAGQAAABkAAAAAAAAABcAAAAUAAAAAAAAABkMAAD/fwAA/38AAAAAAAAJAAAABAAAAERBVEEeAAAAaAAAAAAAAAAAAAAAAAAAAAAAAAAAAAAAECcAABAnAAAAAAAAAAAAAAAAAAAAAAAAAAAAAAAAAAAAAAAAAAAAABQAAAAAAAAAwMD/AAAAAABkAAAAMgAAAAAAAABkAAAAAAAAAH9/fwAKAAAAIgAAABgAAAAAAAAAAAAAAAAAAAAAAAAAAAAAAAAAAAAkAAAAJAAAAAAAAAAHAAAAAAAAAAAAAAAAAAAAAAAAAAAAAAAAAAAAf39/ACUAAABYAAAAAAAAAAAAAAAAAAAAAAAAAAAAAAAAAAAAAAAAAAAAAAAAAAAAAAAAAAAAAAA/AAAAAAAAAKCGAQAAAAAAAAAAAAAAAAAMAAAAAQAAAAAAAAAAAAAAAAAAAB8AAABUAAAAT4G9Bf///wEAAAAAAAAAAAAAAAAAAAAAAAAAAAAAAAAAAAAAAAAAAAAAAAJ/f38A7uzhA8zMzADAwP8Af39/AAAAAAAAAAAAAAAAAAAAAAAAAAAAIQAAABgAAAAUAAAAfAAAAOAMAACHGwAAUCcAAAAgAAAmAAAACAAAAP//////////"/>
+                <pr:smNativeData xmlns:pr="smNativeData" xmlns="smNativeData" val="SMDATA_15_iunWYhMAAAAlAAAAEgAAAE8BAAAAkAAAAEgAAACQAAAASAAAAAAAAAAAAAAAAAAAAAEAAABQAAAAAAAAAAAA4D8AAAAAAADgPwAAAAAAAOA/AAAAAAAA4D8AAAAAAADgPwAAAAAAAOA/AAAAAAAA4D8AAAAAAADgPwAAAAAAAOA/AAAAAAAA4D8CAAAAjAAAAAAAAAAAAAAAT4G9DP///wgAAAAAAAAAAAAAAAAAAAAAAAAAAAAAAAAAAAAAZAAAAAEAAABAAAAAAAAAAAAAAAAAAAAAAAAAAAAAAAAAAAAAAAAAAAAAAAAAAAAAAAAAAAAAAAAAAAAAAAAAAAAAAAAAAAAAAAAAAAAAAAAAAAAAAAAAAAAAAAAAAAAAFAAAADwAAAAAAAAAAAAAAAAAAAkUAAAAAQAAABQAAAAUAAAAFAAAAAEAAAAAAAAAZAAAAGQAAAAAAAAAZAAAAGQAAAAVAAAAYAAAAAAAAAAAAAAADwAAACADAAAAAAAAAAAAAAEAAACgMgAAVgcAAKr4//8BAAAAf39/AAEAAABkAAAAAAAAABQAAABAHwAAAAAAACYAAAAAAAAAwOD//wAAAAAmAAAAZAAAABYAAABMAAAAAAAAAAAAAAAEAAAAAAAAAAEAAADu7OEKAAAAACgAAAAoAAAAZAAAAGQAAAAAAAAAzMzMAAAAAABQAAAAUAAAAGQAAABkAAAAAAAAABcAAAAUAAAAAAAAABkMAAD/fwAA/38AAAAAAAAJAAAABAAAAERBVEEeAAAAaAAAAAAAAAAAAAAAAAAAAAAAAAAAAAAAECcAABAnAAAAAAAAAAAAAAAAAAAAAAAAAAAAAAAAAAAAAAAAAAAAABQAAAAAAAAAwMD/AAAAAABkAAAAMgAAAAAAAABkAAAAAAAAAH9/fwAKAAAAIgAAABgAAAAAAAAAAAAAAAAAAAAAAAAAAAAAAAAAAAAkAAAAJAAAAAAAAAAHAAAAAAAAAAAAAAAAAAAAAAAAAAAAAAAAAAAAf39/ACUAAABYAAAAAAAAAAAAAAAAAAAAAAAAAAAAAAAAAAAAAAAAAAAAAAAAAAAAAAAAAAAAAAA/AAAAAAAAAKCGAQAAAAAAAAAAAAAAAAAMAAAAAQAAAAAAAAAAAAAAAAAAAB8AAABUAAAAT4G9Bf///wEAAAAAAAAAAAAAAAAAAAAAAAAAAAAAAAAAAAAAAAAAAAAAAAJ/f38A7uzhA8zMzADAwP8Af39/AAAAAAAAAAAAAAAAAAAAAAAAAAAAIQAAABgAAAAUAAAAfAAAAOAMAACHGwAAUCcAAAAgAAAmAAAACAAAAP//////////"/>
               </a:ext>
             </a:extLst>
           </p:cNvSpPr>
@@ -9122,7 +9096,7 @@
           <p:cNvSpPr txBox="1">
             <a:extLst>
               <a:ext uri="smNativeData">
-                <pr:smNativeData xmlns:pr="smNativeData" xmlns="smNativeData" val="SMDATA_15_JtjWYhMAAAAlAAAAEgAAAE8BAAAAkAAAAEgAAACQAAAASAAAAAAAAAAAAAAAAAAAAAEAAABQAAAAAAAAAAAA4D8AAAAAAADgPwAAAAAAAOA/AAAAAAAA4D8AAAAAAADgPwAAAAAAAOA/AAAAAAAA4D8AAAAAAADgPwAAAAAAAOA/AAAAAAAA4D8CAAAAjAAAAAAAAAAAAAAAT4G9DP///wgAAAAAAAAAAAAAAAAAAAAAAAAAAAAAAAAAAAAAZAAAAAEAAABAAAAAAAAAAAAAAAAAAAAAAAAAAAAAAAAAAAAAAAAAAAAAAAAAAAAAAAAAAAAAAAAAAAAAAAAAAAAAAAAAAAAAAAAAAAAAAAAAAAAAAAAAAAAAAAAAAAAAFAAAADwAAAAAAAAAAAAAAAAAAAkUAAAAAQAAABQAAAAUAAAAFAAAAAEAAAAAAAAAZAAAAGQAAAAAAAAAZAAAAGQAAAAVAAAAYAAAAAAAAAAAAAAADwAAACADAAAAAAAAAAAAAAEAAACgMgAAVgcAAKr4//8BAAAAf39/AAEAAABkAAAAAAAAABQAAABAHwAAAAAAACYAAAAAAAAAwOD//wAAAAAmAAAAZAAAABYAAABMAAAAAAAAAAAAAAAEAAAAAAAAAAEAAADu7OEKAAAAACgAAAAoAAAAZAAAAGQAAAAAAAAAzMzMAAAAAABQAAAAUAAAAGQAAABkAAAAAAAAABcAAAAUAAAAAAAAABkMAAD/fwAA/38AAAAAAAAJAAAABAAAACoDAAAeAAAAaAAAAAAAAAAAAAAAAAAAAAAAAAAAAAAAECcAABAnAAAAAAAAAAAAAAAAAAAAAAAAAAAAAAAAAAAAAAAAAAAAABQAAAAAAAAAwMD/AAAAAABkAAAAMgAAAAAAAABkAAAAAAAAAH9/fwAKAAAAIgAAABgAAAAAAAAAAAAAAAAAAAAAAAAAAAAAAAAAAAAkAAAAJAAAAAAAAAAHAAAAAAAAAAAAAAAAAAAAAAAAAAAAAAAAAAAAf39/ACUAAABYAAAAAAAAAAAAAAAAAAAAAAAAAAAAAAAAAAAAAAAAAAAAAAAAAAAAAAAAAAAAAAA/AAAAAAAAAKCGAQAAAAAAAAAAAAAAAAAMAAAAAQAAAAAAAAAAAAAAAAAAAB8AAABUAAAAT4G9Bf///wEAAAAAAAAAAAAAAAAAAAAAAAAAAAAAAAAAAAAAAAAAAAAAAAJ/f38A7uzhA8zMzADAwP8Af39/AAAAAAAAAAAAAAAAAAAAAAAAAAAAIQAAABgAAAAUAAAAwRwAAEoFAABoNwAAmhUAAAAgAAAmAAAACAAAAP//////////"/>
+                <pr:smNativeData xmlns:pr="smNativeData" xmlns="smNativeData" val="SMDATA_15_iunWYhMAAAAlAAAAEgAAAE8BAAAAkAAAAEgAAACQAAAASAAAAAAAAAAAAAAAAAAAAAEAAABQAAAAAAAAAAAA4D8AAAAAAADgPwAAAAAAAOA/AAAAAAAA4D8AAAAAAADgPwAAAAAAAOA/AAAAAAAA4D8AAAAAAADgPwAAAAAAAOA/AAAAAAAA4D8CAAAAjAAAAAAAAAAAAAAAT4G9DP///wgAAAAAAAAAAAAAAAAAAAAAAAAAAAAAAAAAAAAAZAAAAAEAAABAAAAAAAAAAAAAAAAAAAAAAAAAAAAAAAAAAAAAAAAAAAAAAAAAAAAAAAAAAAAAAAAAAAAAAAAAAAAAAAAAAAAAAAAAAAAAAAAAAAAAAAAAAAAAAAAAAAAAFAAAADwAAAAAAAAAAAAAAAAAAAkUAAAAAQAAABQAAAAUAAAAFAAAAAEAAAAAAAAAZAAAAGQAAAAAAAAAZAAAAGQAAAAVAAAAYAAAAAAAAAAAAAAADwAAACADAAAAAAAAAAAAAAEAAACgMgAAVgcAAKr4//8BAAAAf39/AAEAAABkAAAAAAAAABQAAABAHwAAAAAAACYAAAAAAAAAwOD//wAAAAAmAAAAZAAAABYAAABMAAAAAAAAAAAAAAAEAAAAAAAAAAEAAADu7OEKAAAAACgAAAAoAAAAZAAAAGQAAAAAAAAAzMzMAAAAAABQAAAAUAAAAGQAAABkAAAAAAAAABcAAAAUAAAAAAAAABkMAAD/fwAA/38AAAAAAAAJAAAABAAAACoDAAAeAAAAaAAAAAAAAAAAAAAAAAAAAAAAAAAAAAAAECcAABAnAAAAAAAAAAAAAAAAAAAAAAAAAAAAAAAAAAAAAAAAAAAAABQAAAAAAAAAwMD/AAAAAABkAAAAMgAAAAAAAABkAAAAAAAAAH9/fwAKAAAAIgAAABgAAAAAAAAAAAAAAAAAAAAAAAAAAAAAAAAAAAAkAAAAJAAAAAAAAAAHAAAAAAAAAAAAAAAAAAAAAAAAAAAAAAAAAAAAf39/ACUAAABYAAAAAAAAAAAAAAAAAAAAAAAAAAAAAAAAAAAAAAAAAAAAAAAAAAAAAAAAAAAAAAA/AAAAAAAAAKCGAQAAAAAAAAAAAAAAAAAMAAAAAQAAAAAAAAAAAAAAAAAAAB8AAABUAAAAT4G9Bf///wEAAAAAAAAAAAAAAAAAAAAAAAAAAAAAAAAAAAAAAAAAAAAAAAJ/f38A7uzhA8zMzADAwP8Af39/AAAAAAAAAAAAAAAAAAAAAAAAAAAAIQAAABgAAAAUAAAAwRwAAEoFAABoNwAAmhUAAAAgAAAmAAAACAAAAP//////////"/>
               </a:ext>
             </a:extLst>
           </p:cNvSpPr>
@@ -9351,7 +9325,7 @@
             <a:spLocks noGrp="1" noChangeArrowheads="1"/>
             <a:extLst>
               <a:ext uri="smNativeData">
-                <pr:smNativeData xmlns:pr="smNativeData" xmlns="smNativeData" val="SMDATA_15_JtjWYhMAAAAlAAAAZAAAAA0AAAAAkAAAAEgAAACQAAAASAAAAAAAAAABAAAAAAAAAAEAAABQAAAAAAAAAAAA4D8AAAAAAADgPwAAAAAAAOA/AAAAAAAA4D8AAAAAAADgPwAAAAAAAOA/AAAAAAAA4D8AAAAAAADgPwAAAAAAAOA/AAAAAAAA4D8CAAAAjAAAAAAAAAAAAAAAT4G9DP///wgAAAAAAAAAAAAAAAAAAAAAAAAAAAAAAAAAAAAAZAAAAAEAAABAAAAAAAAAAAAAAAAAAAAAAAAAAAAAAAAAAAAAAAAAAAAAAAAAAAAAAAAAAAAAAAAAAAAAAAAAAAAAAAAAAAAAAAAAAAAAAAAAAAAAAAAAAAAAAAAAAAAAFAAAADwAAAAAAAAAAAAAAAAAAAkUAAAAAQAAABQAAAAUAAAAFAAAAAEAAAAAAAAAZAAAAGQAAAAAAAAAZAAAAGQAAAAVAAAAYAAAAAAAAAAAAAAADwAAACADAAAAAAAAAAAAAAEAAACgMgAAVgcAAKr4//8BAAAAf39/AAEAAABkAAAAAAAAABQAAABAHwAAAAAAACYAAAAAAAAAwOD//wAAAAAmAAAAZAAAABYAAABMAAAAAAAAAAAAAAAEAAAAAAAAAAEAAADu7OEKAAAAACgAAAAoAAAAZAAAAGQAAAAAAAAAzMzMAAAAAABQAAAAUAAAAGQAAABkAAAAAAAAABcAAAAUAAAAAAAAAAAAAAD/fwAA/38AAAAAAAAJAAAABAAAAAAAAAEeAAAAaAAAAAAAAAAAAAAAAAAAAAAAAAAAAAAAECcAABAnAAAAAAAAAAAAAAAAAAAAAAAAAAAAAAAAAAAAAAAAAAAAABQAAAAAAAAAwMD/AAAAAABkAAAAMgAAAAAAAABkAAAAAAAAAH9/fwAKAAAAIgAAABgAAAAAAAAAAAAAAAAAAAAAAAAAAAAAAAAAAAAkAAAAJAAAAAAAAAAHAAAAAAAAAAAAAAAAAAAAAAAAAAAAAAAAAAAAf39/ACUAAABYAAAAAAAAAAAAAAAAAAAAAAAAAAAAAAAAAAAAAAAAAAAAAAAAAAAAAAAAAAAAAAA/AAAAAAAAAKCGAQAAAAAAAAAAAAAAAAAMAAAAAQAAAAAAAAAAAAAAAAAAAB8AAABUAAAAT4G9Bf///wEAAAAAAAAAAAAAAAAAAAAAAAAAAAAAAAAAAAAAAAAAAAAAAAJ/f38A7uzhA8zMzADAwP8Af39/AAAAAAAAAAAAAAAAAAAAAAAAAAAAIQAAABgAAAAUAAAA0AIAALcAAABwNQAA1gMAAAAAAAAmAAAACAAAAAEAAAAAAAAA"/>
+                <pr:smNativeData xmlns:pr="smNativeData" xmlns="smNativeData" val="SMDATA_15_iunWYhMAAAAlAAAAZAAAAA0AAAAAkAAAAEgAAACQAAAASAAAAAAAAAABAAAAAAAAAAEAAABQAAAAAAAAAAAA4D8AAAAAAADgPwAAAAAAAOA/AAAAAAAA4D8AAAAAAADgPwAAAAAAAOA/AAAAAAAA4D8AAAAAAADgPwAAAAAAAOA/AAAAAAAA4D8CAAAAjAAAAAAAAAAAAAAAT4G9DP///wgAAAAAAAAAAAAAAAAAAAAAAAAAAAAAAAAAAAAAZAAAAAEAAABAAAAAAAAAAAAAAAAAAAAAAAAAAAAAAAAAAAAAAAAAAAAAAAAAAAAAAAAAAAAAAAAAAAAAAAAAAAAAAAAAAAAAAAAAAAAAAAAAAAAAAAAAAAAAAAAAAAAAFAAAADwAAAAAAAAAAAAAAAAAAAkUAAAAAQAAABQAAAAUAAAAFAAAAAEAAAAAAAAAZAAAAGQAAAAAAAAAZAAAAGQAAAAVAAAAYAAAAAAAAAAAAAAADwAAACADAAAAAAAAAAAAAAEAAACgMgAAVgcAAKr4//8BAAAAf39/AAEAAABkAAAAAAAAABQAAABAHwAAAAAAACYAAAAAAAAAwOD//wAAAAAmAAAAZAAAABYAAABMAAAAAAAAAAAAAAAEAAAAAAAAAAEAAADu7OEKAAAAACgAAAAoAAAAZAAAAGQAAAAAAAAAzMzMAAAAAABQAAAAUAAAAGQAAABkAAAAAAAAABcAAAAUAAAAAAAAAAAAAAD/fwAA/38AAAAAAAAJAAAABAAAAAAAAAEeAAAAaAAAAAAAAAAAAAAAAAAAAAAAAAAAAAAAECcAABAnAAAAAAAAAAAAAAAAAAAAAAAAAAAAAAAAAAAAAAAAAAAAABQAAAAAAAAAwMD/AAAAAABkAAAAMgAAAAAAAABkAAAAAAAAAH9/fwAKAAAAIgAAABgAAAAAAAAAAAAAAAAAAAAAAAAAAAAAAAAAAAAkAAAAJAAAAAAAAAAHAAAAAAAAAAAAAAAAAAAAAAAAAAAAAAAAAAAAf39/ACUAAABYAAAAAAAAAAAAAAAAAAAAAAAAAAAAAAAAAAAAAAAAAAAAAAAAAAAAAAAAAAAAAAA/AAAAAAAAAKCGAQAAAAAAAAAAAAAAAAAMAAAAAQAAAAAAAAAAAAAAAAAAAB8AAABUAAAAT4G9Bf///wEAAAAAAAAAAAAAAAAAAAAAAAAAAAAAAAAAAAAAAAAAAAAAAAJ/f38A7uzhA8zMzADAwP8Af39/AAAAAAAAAAAAAAAAAAAAAAAAAAAAIQAAABgAAAAUAAAA0AIAALcAAABwNQAA1gMAAAAAAAAmAAAACAAAAAEAAAAAAAAA"/>
               </a:ext>
             </a:extLst>
           </p:cNvSpPr>
@@ -9384,7 +9358,7 @@
           <p:cNvSpPr txBox="1">
             <a:extLst>
               <a:ext uri="smNativeData">
-                <pr:smNativeData xmlns:pr="smNativeData" xmlns="smNativeData" val="SMDATA_15_JtjWYhMAAAAlAAAAEgAAAE8BAAAAkAAAAEgAAACQAAAASAAAAAAAAAAAAAAAAAAAAAEAAABQAAAAAAAAAAAA4D8AAAAAAADgPwAAAAAAAOA/AAAAAAAA4D8AAAAAAADgPwAAAAAAAOA/AAAAAAAA4D8AAAAAAADgPwAAAAAAAOA/AAAAAAAA4D8CAAAAjAAAAAAAAAAAAAAAT4G9DP///wgAAAAAAAAAAAAAAAAAAAAAAAAAAAAAAAAAAAAAZAAAAAEAAABAAAAAAAAAAAAAAAAAAAAAAAAAAAAAAAAAAAAAAAAAAAAAAAAAAAAAAAAAAAAAAAAAAAAAAAAAAAAAAAAAAAAAAAAAAAAAAAAAAAAAAAAAAAAAAAAAAAAAFAAAADwAAAAAAAAAAAAAAAAAAAkUAAAAAQAAABQAAAAUAAAAFAAAAAEAAAAAAAAAZAAAAGQAAAAAAAAAZAAAAGQAAAAVAAAAYAAAAAAAAAAAAAAADwAAACADAAAAAAAAAAAAAAEAAACgMgAAVgcAAKr4//8BAAAAf39/AAEAAABkAAAAAAAAABQAAABAHwAAAAAAACYAAAAAAAAAwOD//wAAAAAmAAAAZAAAABYAAABMAAAAAAAAAAAAAAAEAAAAAAAAAAEAAADu7OEKAAAAACgAAAAoAAAAZAAAAGQAAAAAAAAAzMzMAAAAAABQAAAAUAAAAGQAAABkAAAAAAAAABcAAAAUAAAAAAAAABkMAAD/fwAA/38AAAAAAAAJAAAABAAAAD7o2aweAAAAaAAAAAAAAAAAAAAAAAAAAAAAAAAAAAAAECcAABAnAAAAAAAAAAAAAAAAAAAAAAAAAAAAAAAAAAAAAAAAAAAAABQAAAAAAAAAwMD/AAAAAABkAAAAMgAAAAAAAABkAAAAAAAAAH9/fwAKAAAAIgAAABgAAAAAAAAAAAAAAAAAAAAAAAAAAAAAAAAAAAAkAAAAJAAAAAAAAAAHAAAAAAAAAAAAAAAAAAAAAAAAAAAAAAAAAAAAf39/ACUAAABYAAAAAAAAAAAAAAAAAAAAAAAAAAAAAAAAAAAAAAAAAAAAAAAAAAAAAAAAAAAAAAA/AAAAAAAAAKCGAQAAAAAAAAAAAAAAAAAMAAAAAQAAAAAAAAAAAAAAAAAAAB8AAABUAAAAT4G9Bf///wEAAAAAAAAAAAAAAAAAAAAAAAAAAAAAAAAAAAAAAAAAAAAAAAJ/f38A7uzhA8zMzADAwP8Af39/AAAAAAAAAAAAAAAAAAAAAAAAAAAAIQAAABgAAAAUAAAAfAAAAEIFAAB2GwAAkgwAAAAgAAAmAAAACAAAAP//////////"/>
+                <pr:smNativeData xmlns:pr="smNativeData" xmlns="smNativeData" val="SMDATA_15_iunWYhMAAAAlAAAAEgAAAE8BAAAAkAAAAEgAAACQAAAASAAAAAAAAAAAAAAAAAAAAAEAAABQAAAAAAAAAAAA4D8AAAAAAADgPwAAAAAAAOA/AAAAAAAA4D8AAAAAAADgPwAAAAAAAOA/AAAAAAAA4D8AAAAAAADgPwAAAAAAAOA/AAAAAAAA4D8CAAAAjAAAAAAAAAAAAAAAT4G9DP///wgAAAAAAAAAAAAAAAAAAAAAAAAAAAAAAAAAAAAAZAAAAAEAAABAAAAAAAAAAAAAAAAAAAAAAAAAAAAAAAAAAAAAAAAAAAAAAAAAAAAAAAAAAAAAAAAAAAAAAAAAAAAAAAAAAAAAAAAAAAAAAAAAAAAAAAAAAAAAAAAAAAAAFAAAADwAAAAAAAAAAAAAAAAAAAkUAAAAAQAAABQAAAAUAAAAFAAAAAEAAAAAAAAAZAAAAGQAAAAAAAAAZAAAAGQAAAAVAAAAYAAAAAAAAAAAAAAADwAAACADAAAAAAAAAAAAAAEAAACgMgAAVgcAAKr4//8BAAAAf39/AAEAAABkAAAAAAAAABQAAABAHwAAAAAAACYAAAAAAAAAwOD//wAAAAAmAAAAZAAAABYAAABMAAAAAAAAAAAAAAAEAAAAAAAAAAEAAADu7OEKAAAAACgAAAAoAAAAZAAAAGQAAAAAAAAAzMzMAAAAAABQAAAAUAAAAGQAAABkAAAAAAAAABcAAAAUAAAAAAAAABkMAAD/fwAA/38AAAAAAAAJAAAABAAAAD7o2aweAAAAaAAAAAAAAAAAAAAAAAAAAAAAAAAAAAAAECcAABAnAAAAAAAAAAAAAAAAAAAAAAAAAAAAAAAAAAAAAAAAAAAAABQAAAAAAAAAwMD/AAAAAABkAAAAMgAAAAAAAABkAAAAAAAAAH9/fwAKAAAAIgAAABgAAAAAAAAAAAAAAAAAAAAAAAAAAAAAAAAAAAAkAAAAJAAAAAAAAAAHAAAAAAAAAAAAAAAAAAAAAAAAAAAAAAAAAAAAf39/ACUAAABYAAAAAAAAAAAAAAAAAAAAAAAAAAAAAAAAAAAAAAAAAAAAAAAAAAAAAAAAAAAAAAA/AAAAAAAAAKCGAQAAAAAAAAAAAAAAAAAMAAAAAQAAAAAAAAAAAAAAAAAAAB8AAABUAAAAT4G9Bf///wEAAAAAAAAAAAAAAAAAAAAAAAAAAAAAAAAAAAAAAAAAAAAAAAJ/f38A7uzhA8zMzADAwP8Af39/AAAAAAAAAAAAAAAAAAAAAAAAAAAAIQAAABgAAAAUAAAAfAAAAEIFAAB2GwAAkgwAAAAgAAAmAAAACAAAAP//////////"/>
               </a:ext>
             </a:extLst>
           </p:cNvSpPr>
@@ -9505,7 +9479,7 @@
           <p:cNvSpPr txBox="1">
             <a:extLst>
               <a:ext uri="smNativeData">
-                <pr:smNativeData xmlns:pr="smNativeData" xmlns="smNativeData" val="SMDATA_15_JtjWYhMAAAAlAAAAEgAAAE8BAAAAkAAAAEgAAACQAAAASAAAAAAAAAAAAAAAAAAAAAEAAABQAAAAAAAAAAAA4D8AAAAAAADgPwAAAAAAAOA/AAAAAAAA4D8AAAAAAADgPwAAAAAAAOA/AAAAAAAA4D8AAAAAAADgPwAAAAAAAOA/AAAAAAAA4D8CAAAAjAAAAAAAAAAAAAAAT4G9DP///wgAAAAAAAAAAAAAAAAAAAAAAAAAAAAAAAAAAAAAZAAAAAEAAABAAAAAAAAAAAAAAAAAAAAAAAAAAAAAAAAAAAAAAAAAAAAAAAAAAAAAAAAAAAAAAAAAAAAAAAAAAAAAAAAAAAAAAAAAAAAAAAAAAAAAAAAAAAAAAAAAAAAAFAAAADwAAAAAAAAAAAAAAAAAAAkUAAAAAQAAABQAAAAUAAAAFAAAAAEAAAAAAAAAZAAAAGQAAAAAAAAAZAAAAGQAAAAVAAAAYAAAAAAAAAAAAAAADwAAACADAAAAAAAAAAAAAAEAAACgMgAAVgcAAKr4//8BAAAAf39/AAEAAABkAAAAAAAAABQAAABAHwAAAAAAACYAAAAAAAAAwOD//wAAAAAmAAAAZAAAABYAAABMAAAAAAAAAAAAAAAEAAAAAAAAAAEAAADu7OEKAAAAACgAAAAoAAAAZAAAAGQAAAAAAAAAzMzMAAAAAABQAAAAUAAAAGQAAABkAAAAAAAAABcAAAAUAAAAAAAAABkMAAD/fwAA/38AAAAAAAAJAAAABAAAAAAAAAAeAAAAaAAAAAAAAAAAAAAAAAAAAAAAAAAAAAAAECcAABAnAAAAAAAAAAAAAAAAAAAAAAAAAAAAAAAAAAAAAAAAAAAAABQAAAAAAAAAwMD/AAAAAABkAAAAMgAAAAAAAABkAAAAAAAAAH9/fwAKAAAAIgAAABgAAAAAAAAAAAAAAAAAAAAAAAAAAAAAAAAAAAAkAAAAJAAAAAAAAAAHAAAAAAAAAAAAAAAAAAAAAAAAAAAAAAAAAAAAf39/ACUAAABYAAAAAAAAAAAAAAAAAAAAAAAAAAAAAAAAAAAAAAAAAAAAAAAAAAAAAAAAAAAAAAA/AAAAAAAAAKCGAQAAAAAAAAAAAAAAAAAMAAAAAQAAAAAAAAAAAAAAAAAAAB8AAABUAAAAT4G9Bf///wEAAAAAAAAAAAAAAAAAAAAAAAAAAAAAAAAAAAAAAAAAAAAAAAJ/f38A7uzhA8zMzADAwP8Af39/AAAAAAAAAAAAAAAAAAAAAAAAAAAAIQAAABgAAAAUAAAAfAAAAOAMAACHGwAAUCcAAAAgAAAmAAAACAAAAP//////////"/>
+                <pr:smNativeData xmlns:pr="smNativeData" xmlns="smNativeData" val="SMDATA_15_iunWYhMAAAAlAAAAEgAAAE8BAAAAkAAAAEgAAACQAAAASAAAAAAAAAAAAAAAAAAAAAEAAABQAAAAAAAAAAAA4D8AAAAAAADgPwAAAAAAAOA/AAAAAAAA4D8AAAAAAADgPwAAAAAAAOA/AAAAAAAA4D8AAAAAAADgPwAAAAAAAOA/AAAAAAAA4D8CAAAAjAAAAAAAAAAAAAAAT4G9DP///wgAAAAAAAAAAAAAAAAAAAAAAAAAAAAAAAAAAAAAZAAAAAEAAABAAAAAAAAAAAAAAAAAAAAAAAAAAAAAAAAAAAAAAAAAAAAAAAAAAAAAAAAAAAAAAAAAAAAAAAAAAAAAAAAAAAAAAAAAAAAAAAAAAAAAAAAAAAAAAAAAAAAAFAAAADwAAAAAAAAAAAAAAAAAAAkUAAAAAQAAABQAAAAUAAAAFAAAAAEAAAAAAAAAZAAAAGQAAAAAAAAAZAAAAGQAAAAVAAAAYAAAAAAAAAAAAAAADwAAACADAAAAAAAAAAAAAAEAAACgMgAAVgcAAKr4//8BAAAAf39/AAEAAABkAAAAAAAAABQAAABAHwAAAAAAACYAAAAAAAAAwOD//wAAAAAmAAAAZAAAABYAAABMAAAAAAAAAAAAAAAEAAAAAAAAAAEAAADu7OEKAAAAACgAAAAoAAAAZAAAAGQAAAAAAAAAzMzMAAAAAABQAAAAUAAAAGQAAABkAAAAAAAAABcAAAAUAAAAAAAAABkMAAD/fwAA/38AAAAAAAAJAAAABAAAAAAAAAAeAAAAaAAAAAAAAAAAAAAAAAAAAAAAAAAAAAAAECcAABAnAAAAAAAAAAAAAAAAAAAAAAAAAAAAAAAAAAAAAAAAAAAAABQAAAAAAAAAwMD/AAAAAABkAAAAMgAAAAAAAABkAAAAAAAAAH9/fwAKAAAAIgAAABgAAAAAAAAAAAAAAAAAAAAAAAAAAAAAAAAAAAAkAAAAJAAAAAAAAAAHAAAAAAAAAAAAAAAAAAAAAAAAAAAAAAAAAAAAf39/ACUAAABYAAAAAAAAAAAAAAAAAAAAAAAAAAAAAAAAAAAAAAAAAAAAAAAAAAAAAAAAAAAAAAA/AAAAAAAAAKCGAQAAAAAAAAAAAAAAAAAMAAAAAQAAAAAAAAAAAAAAAAAAAB8AAABUAAAAT4G9Bf///wEAAAAAAAAAAAAAAAAAAAAAAAAAAAAAAAAAAAAAAAAAAAAAAAJ/f38A7uzhA8zMzADAwP8Af39/AAAAAAAAAAAAAAAAAAAAAAAAAAAAIQAAABgAAAAUAAAAfAAAAOAMAACHGwAAUCcAAAAgAAAmAAAACAAAAP//////////"/>
               </a:ext>
             </a:extLst>
           </p:cNvSpPr>
@@ -9833,7 +9807,7 @@
           <p:cNvSpPr txBox="1">
             <a:extLst>
               <a:ext uri="smNativeData">
-                <pr:smNativeData xmlns:pr="smNativeData" xmlns="smNativeData" val="SMDATA_15_JtjWYhMAAAAlAAAAEgAAAE8BAAAAkAAAAEgAAACQAAAASAAAAAAAAAAAAAAAAAAAAAEAAABQAAAAAAAAAAAA4D8AAAAAAADgPwAAAAAAAOA/AAAAAAAA4D8AAAAAAADgPwAAAAAAAOA/AAAAAAAA4D8AAAAAAADgPwAAAAAAAOA/AAAAAAAA4D8CAAAAjAAAAAAAAAAAAAAAT4G9DP///wgAAAAAAAAAAAAAAAAAAAAAAAAAAAAAAAAAAAAAZAAAAAEAAABAAAAAAAAAAAAAAAAAAAAAAAAAAAAAAAAAAAAAAAAAAAAAAAAAAAAAAAAAAAAAAAAAAAAAAAAAAAAAAAAAAAAAAAAAAAAAAAAAAAAAAAAAAAAAAAAAAAAAFAAAADwAAAAAAAAAAAAAAAAAAAkUAAAAAQAAABQAAAAUAAAAFAAAAAEAAAAAAAAAZAAAAGQAAAAAAAAAZAAAAGQAAAAVAAAAYAAAAAAAAAAAAAAADwAAACADAAAAAAAAAAAAAAEAAACgMgAAVgcAAKr4//8BAAAAf39/AAEAAABkAAAAAAAAABQAAABAHwAAAAAAACYAAAAAAAAAwOD//wAAAAAmAAAAZAAAABYAAABMAAAAAAAAAAAAAAAEAAAAAAAAAAEAAADu7OEKAAAAACgAAAAoAAAAZAAAAGQAAAAAAAAAzMzMAAAAAABQAAAAUAAAAGQAAABkAAAAAAAAABcAAAAUAAAAAAAAABkMAAD/fwAA/38AAAAAAAAJAAAABAAAAAAAAAAeAAAAaAAAAAAAAAAAAAAAAAAAAAAAAAAAAAAAECcAABAnAAAAAAAAAAAAAAAAAAAAAAAAAAAAAAAAAAAAAAAAAAAAABQAAAAAAAAAwMD/AAAAAABkAAAAMgAAAAAAAABkAAAAAAAAAH9/fwAKAAAAIgAAABgAAAAAAAAAAAAAAAAAAAAAAAAAAAAAAAAAAAAkAAAAJAAAAAAAAAAHAAAAAAAAAAAAAAAAAAAAAAAAAAAAAAAAAAAAf39/ACUAAABYAAAAAAAAAAAAAAAAAAAAAAAAAAAAAAAAAAAAAAAAAAAAAAAAAAAAAAAAAAAAAAA/AAAAAAAAAKCGAQAAAAAAAAAAAAAAAAAMAAAAAQAAAAAAAAAAAAAAAAAAAB8AAABUAAAAT4G9Bf///wEAAAAAAAAAAAAAAAAAAAAAAAAAAAAAAAAAAAAAAAAAAAAAAAJ/f38A7uzhA8zMzADAwP8Af39/AAAAAAAAAAAAAAAAAAAAAAAAAAAAIQAAABgAAAAUAAAAwRwAAEoFAABoNwAAmhUAAAAgAAAmAAAACAAAAP//////////"/>
+                <pr:smNativeData xmlns:pr="smNativeData" xmlns="smNativeData" val="SMDATA_15_iunWYhMAAAAlAAAAEgAAAE8BAAAAkAAAAEgAAACQAAAASAAAAAAAAAAAAAAAAAAAAAEAAABQAAAAAAAAAAAA4D8AAAAAAADgPwAAAAAAAOA/AAAAAAAA4D8AAAAAAADgPwAAAAAAAOA/AAAAAAAA4D8AAAAAAADgPwAAAAAAAOA/AAAAAAAA4D8CAAAAjAAAAAAAAAAAAAAAT4G9DP///wgAAAAAAAAAAAAAAAAAAAAAAAAAAAAAAAAAAAAAZAAAAAEAAABAAAAAAAAAAAAAAAAAAAAAAAAAAAAAAAAAAAAAAAAAAAAAAAAAAAAAAAAAAAAAAAAAAAAAAAAAAAAAAAAAAAAAAAAAAAAAAAAAAAAAAAAAAAAAAAAAAAAAFAAAADwAAAAAAAAAAAAAAAAAAAkUAAAAAQAAABQAAAAUAAAAFAAAAAEAAAAAAAAAZAAAAGQAAAAAAAAAZAAAAGQAAAAVAAAAYAAAAAAAAAAAAAAADwAAACADAAAAAAAAAAAAAAEAAACgMgAAVgcAAKr4//8BAAAAf39/AAEAAABkAAAAAAAAABQAAABAHwAAAAAAACYAAAAAAAAAwOD//wAAAAAmAAAAZAAAABYAAABMAAAAAAAAAAAAAAAEAAAAAAAAAAEAAADu7OEKAAAAACgAAAAoAAAAZAAAAGQAAAAAAAAAzMzMAAAAAABQAAAAUAAAAGQAAABkAAAAAAAAABcAAAAUAAAAAAAAABkMAAD/fwAA/38AAAAAAAAJAAAABAAAAAAAAAAeAAAAaAAAAAAAAAAAAAAAAAAAAAAAAAAAAAAAECcAABAnAAAAAAAAAAAAAAAAAAAAAAAAAAAAAAAAAAAAAAAAAAAAABQAAAAAAAAAwMD/AAAAAABkAAAAMgAAAAAAAABkAAAAAAAAAH9/fwAKAAAAIgAAABgAAAAAAAAAAAAAAAAAAAAAAAAAAAAAAAAAAAAkAAAAJAAAAAAAAAAHAAAAAAAAAAAAAAAAAAAAAAAAAAAAAAAAAAAAf39/ACUAAABYAAAAAAAAAAAAAAAAAAAAAAAAAAAAAAAAAAAAAAAAAAAAAAAAAAAAAAAAAAAAAAA/AAAAAAAAAKCGAQAAAAAAAAAAAAAAAAAMAAAAAQAAAAAAAAAAAAAAAAAAAB8AAABUAAAAT4G9Bf///wEAAAAAAAAAAAAAAAAAAAAAAAAAAAAAAAAAAAAAAAAAAAAAAAJ/f38A7uzhA8zMzADAwP8Af39/AAAAAAAAAAAAAAAAAAAAAAAAAAAAIQAAABgAAAAUAAAAwRwAAEoFAABoNwAAmhUAAAAgAAAmAAAACAAAAP//////////"/>
               </a:ext>
             </a:extLst>
           </p:cNvSpPr>
@@ -10029,7 +10003,7 @@
           <p:cNvSpPr txBox="1">
             <a:extLst>
               <a:ext uri="smNativeData">
-                <pr:smNativeData xmlns:pr="smNativeData" xmlns="smNativeData" val="SMDATA_15_JtjWYhMAAAAlAAAAEgAAAE8BAAAAkAAAAEgAAACQAAAASAAAAAAAAAAAAAAAAAAAAAEAAABQAAAAAAAAAAAA4D8AAAAAAADgPwAAAAAAAOA/AAAAAAAA4D8AAAAAAADgPwAAAAAAAOA/AAAAAAAA4D8AAAAAAADgPwAAAAAAAOA/AAAAAAAA4D8CAAAAjAAAAAAAAAAAAAAAT4G9DP///wgAAAAAAAAAAAAAAAAAAAAAAAAAAAAAAAAAAAAAZAAAAAEAAABAAAAAAAAAAAAAAAAAAAAAAAAAAAAAAAAAAAAAAAAAAAAAAAAAAAAAAAAAAAAAAAAAAAAAAAAAAAAAAAAAAAAAAAAAAAAAAAAAAAAAAAAAAAAAAAAAAAAAFAAAADwAAAAAAAAAAAAAAAAAAAkUAAAAAQAAABQAAAAUAAAAFAAAAAEAAAAAAAAAZAAAAGQAAAAAAAAAZAAAAGQAAAAVAAAAYAAAAAAAAAAAAAAADwAAACADAAAAAAAAAAAAAAEAAACgMgAAVgcAAKr4//8BAAAAf39/AAEAAABkAAAAAAAAABQAAABAHwAAAAAAACYAAAAAAAAAwOD//wAAAAAmAAAAZAAAABYAAABMAAAAAAAAAAAAAAAEAAAAAAAAAAEAAADu7OEKAAAAACgAAAAoAAAAZAAAAGQAAAAAAAAAzMzMAAAAAABQAAAAUAAAAGQAAABkAAAAAAAAABcAAAAUAAAAAAAAABkMAAD/fwAA/38AAAAAAAAJAAAABAAAAD0iU00eAAAAaAAAAAAAAAAAAAAAAAAAAAAAAAAAAAAAECcAABAnAAAAAAAAAAAAAAAAAAAAAAAAAAAAAAAAAAAAAAAAAAAAABQAAAAAAAAAwMD/AAAAAABkAAAAMgAAAAAAAABkAAAAAAAAAH9/fwAKAAAAIgAAABgAAAAAAAAAAAAAAAAAAAAAAAAAAAAAAAAAAAAkAAAAJAAAAAAAAAAHAAAAAAAAAAAAAAAAAAAAAAAAAAAAAAAAAAAAf39/ACUAAABYAAAAAAAAAAAAAAAAAAAAAAAAAAAAAAAAAAAAAAAAAAAAAAAAAAAAAAAAAAAAAAA/AAAAAAAAAKCGAQAAAAAAAAAAAAAAAAAMAAAAAQAAAAAAAAAAAAAAAAAAAB8AAABUAAAAT4G9Bf///wEAAAAAAAAAAAAAAAAAAAAAAAAAAAAAAAAAAAAAAAAAAAAAAAJ/f38A7uzhA8zMzADAwP8Af39/AAAAAAAAAAAAAAAAAAAAAAAAAAAAIQAAABgAAAAUAAAA0RwAACEXAABYNwAAkSgAAAAgAAAmAAAACAAAAP//////////"/>
+                <pr:smNativeData xmlns:pr="smNativeData" xmlns="smNativeData" val="SMDATA_15_iunWYhMAAAAlAAAAEgAAAE8BAAAAkAAAAEgAAACQAAAASAAAAAAAAAAAAAAAAAAAAAEAAABQAAAAAAAAAAAA4D8AAAAAAADgPwAAAAAAAOA/AAAAAAAA4D8AAAAAAADgPwAAAAAAAOA/AAAAAAAA4D8AAAAAAADgPwAAAAAAAOA/AAAAAAAA4D8CAAAAjAAAAAAAAAAAAAAAT4G9DP///wgAAAAAAAAAAAAAAAAAAAAAAAAAAAAAAAAAAAAAZAAAAAEAAABAAAAAAAAAAAAAAAAAAAAAAAAAAAAAAAAAAAAAAAAAAAAAAAAAAAAAAAAAAAAAAAAAAAAAAAAAAAAAAAAAAAAAAAAAAAAAAAAAAAAAAAAAAAAAAAAAAAAAFAAAADwAAAAAAAAAAAAAAAAAAAkUAAAAAQAAABQAAAAUAAAAFAAAAAEAAAAAAAAAZAAAAGQAAAAAAAAAZAAAAGQAAAAVAAAAYAAAAAAAAAAAAAAADwAAACADAAAAAAAAAAAAAAEAAACgMgAAVgcAAKr4//8BAAAAf39/AAEAAABkAAAAAAAAABQAAABAHwAAAAAAACYAAAAAAAAAwOD//wAAAAAmAAAAZAAAABYAAABMAAAAAAAAAAAAAAAEAAAAAAAAAAEAAADu7OEKAAAAACgAAAAoAAAAZAAAAGQAAAAAAAAAzMzMAAAAAABQAAAAUAAAAGQAAABkAAAAAAAAABcAAAAUAAAAAAAAABkMAAD/fwAA/38AAAAAAAAJAAAABAAAAD0iU00eAAAAaAAAAAAAAAAAAAAAAAAAAAAAAAAAAAAAECcAABAnAAAAAAAAAAAAAAAAAAAAAAAAAAAAAAAAAAAAAAAAAAAAABQAAAAAAAAAwMD/AAAAAABkAAAAMgAAAAAAAABkAAAAAAAAAH9/fwAKAAAAIgAAABgAAAAAAAAAAAAAAAAAAAAAAAAAAAAAAAAAAAAkAAAAJAAAAAAAAAAHAAAAAAAAAAAAAAAAAAAAAAAAAAAAAAAAAAAAf39/ACUAAABYAAAAAAAAAAAAAAAAAAAAAAAAAAAAAAAAAAAAAAAAAAAAAAAAAAAAAAAAAAAAAAA/AAAAAAAAAKCGAQAAAAAAAAAAAAAAAAAMAAAAAQAAAAAAAAAAAAAAAAAAAB8AAABUAAAAT4G9Bf///wEAAAAAAAAAAAAAAAAAAAAAAAAAAAAAAAAAAAAAAAAAAAAAAAJ/f38A7uzhA8zMzADAwP8Af39/AAAAAAAAAAAAAAAAAAAAAAAAAAAAIQAAABgAAAAUAAAA0RwAACEXAABYNwAAkSgAAAAgAAAmAAAACAAAAP//////////"/>
               </a:ext>
             </a:extLst>
           </p:cNvSpPr>
@@ -10255,7 +10229,7 @@
             <a:spLocks noGrp="1" noChangeArrowheads="1"/>
             <a:extLst>
               <a:ext uri="smNativeData">
-                <pr:smNativeData xmlns:pr="smNativeData" xmlns="smNativeData" val="SMDATA_15_JtjWYhMAAAAlAAAAZAAAAA0AAAAAkAAAAEgAAACQAAAASAAAAAAAAAABAAAAAAAAAAEAAABQAAAAAAAAAAAA4D8AAAAAAADgPwAAAAAAAOA/AAAAAAAA4D8AAAAAAADgPwAAAAAAAOA/AAAAAAAA4D8AAAAAAADgPwAAAAAAAOA/AAAAAAAA4D8CAAAAjAAAAAAAAAAAAAAAT4G9DP///wgAAAAAAAAAAAAAAAAAAAAAAAAAAAAAAAAAAAAAZAAAAAEAAABAAAAAAAAAAAAAAAAAAAAAAAAAAAAAAAAAAAAAAAAAAAAAAAAAAAAAAAAAAAAAAAAAAAAAAAAAAAAAAAAAAAAAAAAAAAAAAAAAAAAAAAAAAAAAAAAAAAAAFAAAADwAAAAAAAAAAAAAAAAAAAkUAAAAAQAAABQAAAAUAAAAFAAAAAEAAAAAAAAAZAAAAGQAAAAAAAAAZAAAAGQAAAAVAAAAYAAAAAAAAAAAAAAADwAAACADAAAAAAAAAAAAAAEAAACgMgAAVgcAAKr4//8BAAAAf39/AAEAAABkAAAAAAAAABQAAABAHwAAAAAAACYAAAAAAAAAwOD//wAAAAAmAAAAZAAAABYAAABMAAAAAAAAAAAAAAAEAAAAAAAAAAEAAADu7OEKAAAAACgAAAAoAAAAZAAAAGQAAAAAAAAAzMzMAAAAAABQAAAAUAAAAGQAAABkAAAAAAAAABcAAAAUAAAAAAAAAAAAAAD/fwAA/38AAAAAAAAJAAAABAAAACQBAAAeAAAAaAAAAAAAAAAAAAAAAAAAAAAAAAAAAAAAECcAABAnAAAAAAAAAAAAAAAAAAAAAAAAAAAAAAAAAAAAAAAAAAAAABQAAAAAAAAAwMD/AAAAAABkAAAAMgAAAAAAAABkAAAAAAAAAH9/fwAKAAAAIgAAABgAAAAAAAAAAAAAAAAAAAAAAAAAAAAAAAAAAAAkAAAAJAAAAAAAAAAHAAAAAAAAAAAAAAAAAAAAAAAAAAAAAAAAAAAAf39/ACUAAABYAAAAAAAAAAAAAAAAAAAAAAAAAAAAAAAAAAAAAAAAAAAAAAAAAAAAAAAAAAAAAAA/AAAAAAAAAKCGAQAAAAAAAAAAAAAAAAAMAAAAAQAAAAAAAAAAAAAAAAAAAB8AAABUAAAAT4G9Bf///wEAAAAAAAAAAAAAAAAAAAAAAAAAAAAAAAAAAAAAAAAAAAAAAAJ/f38A7uzhA8zMzADAwP8Af39/AAAAAAAAAAAAAAAAAAAAAAAAAAAAIQAAABgAAAAUAAAA0AIAALEBAABwNQAAuQgAABAAAAAmAAAACAAAAAAAAAAAAAAA"/>
+                <pr:smNativeData xmlns:pr="smNativeData" xmlns="smNativeData" val="SMDATA_15_iunWYhMAAAAlAAAAZAAAAA0AAAAAkAAAAEgAAACQAAAASAAAAAAAAAABAAAAAAAAAAEAAABQAAAAAAAAAAAA4D8AAAAAAADgPwAAAAAAAOA/AAAAAAAA4D8AAAAAAADgPwAAAAAAAOA/AAAAAAAA4D8AAAAAAADgPwAAAAAAAOA/AAAAAAAA4D8CAAAAjAAAAAAAAAAAAAAAT4G9DP///wgAAAAAAAAAAAAAAAAAAAAAAAAAAAAAAAAAAAAAZAAAAAEAAABAAAAAAAAAAAAAAAAAAAAAAAAAAAAAAAAAAAAAAAAAAAAAAAAAAAAAAAAAAAAAAAAAAAAAAAAAAAAAAAAAAAAAAAAAAAAAAAAAAAAAAAAAAAAAAAAAAAAAFAAAADwAAAAAAAAAAAAAAAAAAAkUAAAAAQAAABQAAAAUAAAAFAAAAAEAAAAAAAAAZAAAAGQAAAAAAAAAZAAAAGQAAAAVAAAAYAAAAAAAAAAAAAAADwAAACADAAAAAAAAAAAAAAEAAACgMgAAVgcAAKr4//8BAAAAf39/AAEAAABkAAAAAAAAABQAAABAHwAAAAAAACYAAAAAAAAAwOD//wAAAAAmAAAAZAAAABYAAABMAAAAAAAAAAAAAAAEAAAAAAAAAAEAAADu7OEKAAAAACgAAAAoAAAAZAAAAGQAAAAAAAAAzMzMAAAAAABQAAAAUAAAAGQAAABkAAAAAAAAABcAAAAUAAAAAAAAAAAAAAD/fwAA/38AAAAAAAAJAAAABAAAACQBAAAeAAAAaAAAAAAAAAAAAAAAAAAAAAAAAAAAAAAAECcAABAnAAAAAAAAAAAAAAAAAAAAAAAAAAAAAAAAAAAAAAAAAAAAABQAAAAAAAAAwMD/AAAAAABkAAAAMgAAAAAAAABkAAAAAAAAAH9/fwAKAAAAIgAAABgAAAAAAAAAAAAAAAAAAAAAAAAAAAAAAAAAAAAkAAAAJAAAAAAAAAAHAAAAAAAAAAAAAAAAAAAAAAAAAAAAAAAAAAAAf39/ACUAAABYAAAAAAAAAAAAAAAAAAAAAAAAAAAAAAAAAAAAAAAAAAAAAAAAAAAAAAAAAAAAAAA/AAAAAAAAAKCGAQAAAAAAAAAAAAAAAAAMAAAAAQAAAAAAAAAAAAAAAAAAAB8AAABUAAAAT4G9Bf///wEAAAAAAAAAAAAAAAAAAAAAAAAAAAAAAAAAAAAAAAAAAAAAAAJ/f38A7uzhA8zMzADAwP8Af39/AAAAAAAAAAAAAAAAAAAAAAAAAAAAIQAAABgAAAAUAAAA0AIAALEBAABwNQAAuQgAABAAAAAmAAAACAAAAAAAAAAAAAAA"/>
               </a:ext>
             </a:extLst>
           </p:cNvSpPr>
@@ -10284,7 +10258,7 @@
             <a:spLocks noGrp="1" noChangeArrowheads="1"/>
             <a:extLst>
               <a:ext uri="smNativeData">
-                <pr:smNativeData xmlns:pr="smNativeData" xmlns="smNativeData" val="SMDATA_15_JtjWYhMAAAAlAAAAZAAAAA0AAAAAkAAAAEgAAACQAAAASAAAAAAAAAAAAAAAAAAAAAEAAABQAAAAAAAAAAAA4D8AAAAAAADgPwAAAAAAAOA/AAAAAAAA4D8AAAAAAADgPwAAAAAAAOA/AAAAAAAA4D8AAAAAAADgPwAAAAAAAOA/AAAAAAAA4D8CAAAAjAAAAAAAAAAAAAAAT4G9DP///wgAAAAAAAAAAAAAAAAAAAAAAAAAAAAAAAAAAAAAZAAAAAEAAABAAAAAAAAAAAAAAAAAAAAAAAAAAAAAAAAAAAAAAAAAAAAAAAAAAAAAAAAAAAAAAAAAAAAAAAAAAAAAAAAAAAAAAAAAAAAAAAAAAAAAAAAAAAAAAAAAAAAAFAAAADwAAAAAAAAAAAAAAAAAAAkUAAAAAQAAABQAAAAUAAAAFAAAAAEAAAAAAAAAZAAAAGQAAAAAAAAAZAAAAGQAAAAVAAAAYAAAAAAAAAAAAAAADwAAACADAAAAAAAAAAAAAAEAAACgMgAAVgcAAKr4//8BAAAAf39/AAEAAABkAAAAAAAAABQAAABAHwAAAAAAACYAAAAAAAAAwOD//wAAAAAmAAAAZAAAABYAAABMAAAAAAAAAAAAAAAEAAAAAAAAAAEAAADu7OEKAAAAACgAAAAoAAAAZAAAAGQAAAAAAAAAzMzMAAAAAABQAAAAUAAAAGQAAABkAAAAAAAAABcAAAAUAAAAAAAAAAAAAAD/fwAA/38AAAAAAAAJAAAABAAAAAAAAAAeAAAAaAAAAAAAAAAAAAAAAAAAAAAAAAAAAAAAECcAABAnAAAAAAAAAAAAAAAAAAAAAAAAAAAAAAAAAAAAAAAAAAAAABQAAAAAAAAAwMD/AAAAAABkAAAAMgAAAAAAAABkAAAAAAAAAH9/fwAKAAAAIgAAABgAAAAAAAAAAAAAAAAAAAAAAAAAAAAAAAAAAAAkAAAAJAAAAAAAAAAHAAAAAAAAAAAAAAAAAAAAAAAAAAAAAAAAAAAAf39/ACUAAABYAAAAAAAAAAAAAAAAAAAAAAAAAAAAAAAAAAAAAAAAAAAAAAAAAAAAAAAAAAAAAAA/AAAAAAAAAKCGAQAAAAAAAAAAAAAAAAAMAAAAAQAAAAAAAAAAAAAAAAAAAB8AAABUAAAAT4G9Bf///wEAAAAAAAAAAAAAAAAAAAAAAAAAAAAAAAAAAAAAAAAAAAAAAAJ/f38A7uzhA8zMzADAwP8Af39/AAAAAAAAAAAAAAAAAAAAAAAAAAAAIQAAABgAAAAUAAAA0AIAANgJAABwNQAAsCUAABAAAAAmAAAACAAAAAAAAAAAAAAA"/>
+                <pr:smNativeData xmlns:pr="smNativeData" xmlns="smNativeData" val="SMDATA_15_iunWYhMAAAAlAAAAZAAAAA0AAAAAkAAAAEgAAACQAAAASAAAAAAAAAAAAAAAAAAAAAEAAABQAAAAAAAAAAAA4D8AAAAAAADgPwAAAAAAAOA/AAAAAAAA4D8AAAAAAADgPwAAAAAAAOA/AAAAAAAA4D8AAAAAAADgPwAAAAAAAOA/AAAAAAAA4D8CAAAAjAAAAAAAAAAAAAAAT4G9DP///wgAAAAAAAAAAAAAAAAAAAAAAAAAAAAAAAAAAAAAZAAAAAEAAABAAAAAAAAAAAAAAAAAAAAAAAAAAAAAAAAAAAAAAAAAAAAAAAAAAAAAAAAAAAAAAAAAAAAAAAAAAAAAAAAAAAAAAAAAAAAAAAAAAAAAAAAAAAAAAAAAAAAAFAAAADwAAAAAAAAAAAAAAAAAAAkUAAAAAQAAABQAAAAUAAAAFAAAAAEAAAAAAAAAZAAAAGQAAAAAAAAAZAAAAGQAAAAVAAAAYAAAAAAAAAAAAAAADwAAACADAAAAAAAAAAAAAAEAAACgMgAAVgcAAKr4//8BAAAAf39/AAEAAABkAAAAAAAAABQAAABAHwAAAAAAACYAAAAAAAAAwOD//wAAAAAmAAAAZAAAABYAAABMAAAAAAAAAAAAAAAEAAAAAAAAAAEAAADu7OEKAAAAACgAAAAoAAAAZAAAAGQAAAAAAAAAzMzMAAAAAABQAAAAUAAAAGQAAABkAAAAAAAAABcAAAAUAAAAAAAAAAAAAAD/fwAA/38AAAAAAAAJAAAABAAAAAAAAAAeAAAAaAAAAAAAAAAAAAAAAAAAAAAAAAAAAAAAECcAABAnAAAAAAAAAAAAAAAAAAAAAAAAAAAAAAAAAAAAAAAAAAAAABQAAAAAAAAAwMD/AAAAAABkAAAAMgAAAAAAAABkAAAAAAAAAH9/fwAKAAAAIgAAABgAAAAAAAAAAAAAAAAAAAAAAAAAAAAAAAAAAAAkAAAAJAAAAAAAAAAHAAAAAAAAAAAAAAAAAAAAAAAAAAAAAAAAAAAAf39/ACUAAABYAAAAAAAAAAAAAAAAAAAAAAAAAAAAAAAAAAAAAAAAAAAAAAAAAAAAAAAAAAAAAAA/AAAAAAAAAKCGAQAAAAAAAAAAAAAAAAAMAAAAAQAAAAAAAAAAAAAAAAAAAB8AAABUAAAAT4G9Bf///wEAAAAAAAAAAAAAAAAAAAAAAAAAAAAAAAAAAAAAAAAAAAAAAAJ/f38A7uzhA8zMzADAwP8Af39/AAAAAAAAAAAAAAAAAAAAAAAAAAAAIQAAABgAAAAUAAAA0AIAANgJAABwNQAAsCUAABAAAAAmAAAACAAAAAAAAAAAAAAA"/>
               </a:ext>
             </a:extLst>
           </p:cNvSpPr>
@@ -10417,7 +10391,7 @@
             <a:spLocks noGrp="1" noChangeArrowheads="1"/>
             <a:extLst>
               <a:ext uri="smNativeData">
-                <pr:smNativeData xmlns:pr="smNativeData" xmlns="smNativeData" val="SMDATA_15_JtjWYhMAAAAlAAAAZAAAAA0AAAAAkAAAAEgAAACQAAAASAAAAAAAAAABAAAAAAAAAAEAAABQAAAAAAAAAAAA4D8AAAAAAADgPwAAAAAAAOA/AAAAAAAA4D8AAAAAAADgPwAAAAAAAOA/AAAAAAAA4D8AAAAAAADgPwAAAAAAAOA/AAAAAAAA4D8CAAAAjAAAAAAAAAAAAAAAT4G9DP///wgAAAAAAAAAAAAAAAAAAAAAAAAAAAAAAAAAAAAAZAAAAAEAAABAAAAAAAAAAAAAAAAAAAAAAAAAAAAAAAAAAAAAAAAAAAAAAAAAAAAAAAAAAAAAAAAAAAAAAAAAAAAAAAAAAAAAAAAAAAAAAAAAAAAAAAAAAAAAAAAAAAAAFAAAADwAAAAAAAAAAAAAAAAAAAkUAAAAAQAAABQAAAAUAAAAFAAAAAEAAAAAAAAAZAAAAGQAAAAAAAAAZAAAAGQAAAAVAAAAYAAAAAAAAAAAAAAADwAAACADAAAAAAAAAAAAAAEAAACgMgAAVgcAAKr4//8BAAAAf39/AAEAAABkAAAAAAAAABQAAABAHwAAAAAAACYAAAAAAAAAwOD//wAAAAAmAAAAZAAAABYAAABMAAAAAAAAAAAAAAAEAAAAAAAAAAEAAADu7OEKAAAAACgAAAAoAAAAZAAAAGQAAAAAAAAAzMzMAAAAAABQAAAAUAAAAGQAAABkAAAAAAAAABcAAAAUAAAAAAAAAAAAAAD/fwAA/38AAAAAAAAJAAAABAAAAD7o2aweAAAAaAAAAAAAAAAAAAAAAAAAAAAAAAAAAAAAECcAABAnAAAAAAAAAAAAAAAAAAAAAAAAAAAAAAAAAAAAAAAAAAAAABQAAAAAAAAAwMD/AAAAAABkAAAAMgAAAAAAAABkAAAAAAAAAH9/fwAKAAAAIgAAABgAAAAAAAAAAAAAAAAAAAAAAAAAAAAAAAAAAAAkAAAAJAAAAAAAAAAHAAAAAAAAAAAAAAAAAAAAAAAAAAAAAAAAAAAAf39/ACUAAABYAAAAAAAAAAAAAAAAAAAAAAAAAAAAAAAAAAAAAAAAAAAAAAAAAAAAAAAAAAAAAAA/AAAAAAAAAKCGAQAAAAAAAAAAAAAAAAAMAAAAAQAAAAAAAAAAAAAAAAAAAB8AAABUAAAAT4G9Bf///wEAAAAAAAAAAAAAAAAAAAAAAAAAAAAAAAAAAAAAAAAAAAAAAAJ/f38A7uzhA8zMzADAwP8Af39/AAAAAAAAAAAAAAAAAAAAAAAAAAAAIQAAABgAAAAUAAAA0AIAALcAAABwNQAA1gMAAAAAAAAmAAAACAAAAAEAAAAAAAAA"/>
+                <pr:smNativeData xmlns:pr="smNativeData" xmlns="smNativeData" val="SMDATA_15_iunWYhMAAAAlAAAAZAAAAA0AAAAAkAAAAEgAAACQAAAASAAAAAAAAAABAAAAAAAAAAEAAABQAAAAAAAAAAAA4D8AAAAAAADgPwAAAAAAAOA/AAAAAAAA4D8AAAAAAADgPwAAAAAAAOA/AAAAAAAA4D8AAAAAAADgPwAAAAAAAOA/AAAAAAAA4D8CAAAAjAAAAAAAAAAAAAAAT4G9DP///wgAAAAAAAAAAAAAAAAAAAAAAAAAAAAAAAAAAAAAZAAAAAEAAABAAAAAAAAAAAAAAAAAAAAAAAAAAAAAAAAAAAAAAAAAAAAAAAAAAAAAAAAAAAAAAAAAAAAAAAAAAAAAAAAAAAAAAAAAAAAAAAAAAAAAAAAAAAAAAAAAAAAAFAAAADwAAAAAAAAAAAAAAAAAAAkUAAAAAQAAABQAAAAUAAAAFAAAAAEAAAAAAAAAZAAAAGQAAAAAAAAAZAAAAGQAAAAVAAAAYAAAAAAAAAAAAAAADwAAACADAAAAAAAAAAAAAAEAAACgMgAAVgcAAKr4//8BAAAAf39/AAEAAABkAAAAAAAAABQAAABAHwAAAAAAACYAAAAAAAAAwOD//wAAAAAmAAAAZAAAABYAAABMAAAAAAAAAAAAAAAEAAAAAAAAAAEAAADu7OEKAAAAACgAAAAoAAAAZAAAAGQAAAAAAAAAzMzMAAAAAABQAAAAUAAAAGQAAABkAAAAAAAAABcAAAAUAAAAAAAAAAAAAAD/fwAA/38AAAAAAAAJAAAABAAAAD7o2aweAAAAaAAAAAAAAAAAAAAAAAAAAAAAAAAAAAAAECcAABAnAAAAAAAAAAAAAAAAAAAAAAAAAAAAAAAAAAAAAAAAAAAAABQAAAAAAAAAwMD/AAAAAABkAAAAMgAAAAAAAABkAAAAAAAAAH9/fwAKAAAAIgAAABgAAAAAAAAAAAAAAAAAAAAAAAAAAAAAAAAAAAAkAAAAJAAAAAAAAAAHAAAAAAAAAAAAAAAAAAAAAAAAAAAAAAAAAAAAf39/ACUAAABYAAAAAAAAAAAAAAAAAAAAAAAAAAAAAAAAAAAAAAAAAAAAAAAAAAAAAAAAAAAAAAA/AAAAAAAAAKCGAQAAAAAAAAAAAAAAAAAMAAAAAQAAAAAAAAAAAAAAAAAAAB8AAABUAAAAT4G9Bf///wEAAAAAAAAAAAAAAAAAAAAAAAAAAAAAAAAAAAAAAAAAAAAAAAJ/f38A7uzhA8zMzADAwP8Af39/AAAAAAAAAAAAAAAAAAAAAAAAAAAAIQAAABgAAAAUAAAA0AIAALcAAABwNQAA1gMAAAAAAAAmAAAACAAAAAEAAAAAAAAA"/>
               </a:ext>
             </a:extLst>
           </p:cNvSpPr>
@@ -10450,7 +10424,7 @@
           <p:cNvSpPr txBox="1">
             <a:extLst>
               <a:ext uri="smNativeData">
-                <pr:smNativeData xmlns:pr="smNativeData" xmlns="smNativeData" val="SMDATA_15_JtjWYhMAAAAlAAAAEgAAAE8BAAAAkAAAAEgAAACQAAAASAAAAAAAAAAAAAAAAAAAAAEAAABQAAAAAAAAAAAA4D8AAAAAAADgPwAAAAAAAOA/AAAAAAAA4D8AAAAAAADgPwAAAAAAAOA/AAAAAAAA4D8AAAAAAADgPwAAAAAAAOA/AAAAAAAA4D8CAAAAjAAAAAAAAAAAAAAAT4G9DP///wgAAAAAAAAAAAAAAAAAAAAAAAAAAAAAAAAAAAAAZAAAAAEAAABAAAAAAAAAAAAAAAAAAAAAAAAAAAAAAAAAAAAAAAAAAAAAAAAAAAAAAAAAAAAAAAAAAAAAAAAAAAAAAAAAAAAAAAAAAAAAAAAAAAAAAAAAAAAAAAAAAAAAFAAAADwAAAAAAAAAAAAAAAAAAAkUAAAAAQAAABQAAAAUAAAAFAAAAAEAAAAAAAAAZAAAAGQAAAAAAAAAZAAAAGQAAAAVAAAAYAAAAAAAAAAAAAAADwAAACADAAAAAAAAAAAAAAEAAACgMgAAVgcAAKr4//8BAAAAf39/AAEAAABkAAAAAAAAABQAAABAHwAAAAAAACYAAAAAAAAAwOD//wAAAAAmAAAAZAAAABYAAABMAAAAAAAAAAAAAAAEAAAAAAAAAAEAAADu7OEKAAAAACgAAAAoAAAAZAAAAGQAAAAAAAAAzMzMAAAAAABQAAAAUAAAAGQAAABkAAAAAAAAABcAAAAUAAAAAAAAABkMAAD/fwAA/38AAAAAAAAJAAAABAAAAAAAAAAeAAAAaAAAAAAAAAAAAAAAAAAAAAAAAAAAAAAAECcAABAnAAAAAAAAAAAAAAAAAAAAAAAAAAAAAAAAAAAAAAAAAAAAABQAAAAAAAAAwMD/AAAAAABkAAAAMgAAAAAAAABkAAAAAAAAAH9/fwAKAAAAIgAAABgAAAAAAAAAAAAAAAAAAAAAAAAAAAAAAAAAAAAkAAAAJAAAAAAAAAAHAAAAAAAAAAAAAAAAAAAAAAAAAAAAAAAAAAAAf39/ACUAAABYAAAAAAAAAAAAAAAAAAAAAAAAAAAAAAAAAAAAAAAAAAAAAAAAAAAAAAAAAAAAAAA/AAAAAAAAAKCGAQAAAAAAAAAAAAAAAAAMAAAAAQAAAAAAAAAAAAAAAAAAAB8AAABUAAAAT4G9Bf///wEAAAAAAAAAAAAAAAAAAAAAAAAAAAAAAAAAAAAAAAAAAAAAAAJ/f38A7uzhA8zMzADAwP8Af39/AAAAAAAAAAAAAAAAAAAAAAAAAAAAIQAAABgAAAAUAAAAfAAAAEIFAAB2GwAAkgwAAAAgAAAmAAAACAAAAP//////////"/>
+                <pr:smNativeData xmlns:pr="smNativeData" xmlns="smNativeData" val="SMDATA_15_iunWYhMAAAAlAAAAEgAAAE8BAAAAkAAAAEgAAACQAAAASAAAAAAAAAAAAAAAAAAAAAEAAABQAAAAAAAAAAAA4D8AAAAAAADgPwAAAAAAAOA/AAAAAAAA4D8AAAAAAADgPwAAAAAAAOA/AAAAAAAA4D8AAAAAAADgPwAAAAAAAOA/AAAAAAAA4D8CAAAAjAAAAAAAAAAAAAAAT4G9DP///wgAAAAAAAAAAAAAAAAAAAAAAAAAAAAAAAAAAAAAZAAAAAEAAABAAAAAAAAAAAAAAAAAAAAAAAAAAAAAAAAAAAAAAAAAAAAAAAAAAAAAAAAAAAAAAAAAAAAAAAAAAAAAAAAAAAAAAAAAAAAAAAAAAAAAAAAAAAAAAAAAAAAAFAAAADwAAAAAAAAAAAAAAAAAAAkUAAAAAQAAABQAAAAUAAAAFAAAAAEAAAAAAAAAZAAAAGQAAAAAAAAAZAAAAGQAAAAVAAAAYAAAAAAAAAAAAAAADwAAACADAAAAAAAAAAAAAAEAAACgMgAAVgcAAKr4//8BAAAAf39/AAEAAABkAAAAAAAAABQAAABAHwAAAAAAACYAAAAAAAAAwOD//wAAAAAmAAAAZAAAABYAAABMAAAAAAAAAAAAAAAEAAAAAAAAAAEAAADu7OEKAAAAACgAAAAoAAAAZAAAAGQAAAAAAAAAzMzMAAAAAABQAAAAUAAAAGQAAABkAAAAAAAAABcAAAAUAAAAAAAAABkMAAD/fwAA/38AAAAAAAAJAAAABAAAAAAAAAAeAAAAaAAAAAAAAAAAAAAAAAAAAAAAAAAAAAAAECcAABAnAAAAAAAAAAAAAAAAAAAAAAAAAAAAAAAAAAAAAAAAAAAAABQAAAAAAAAAwMD/AAAAAABkAAAAMgAAAAAAAABkAAAAAAAAAH9/fwAKAAAAIgAAABgAAAAAAAAAAAAAAAAAAAAAAAAAAAAAAAAAAAAkAAAAJAAAAAAAAAAHAAAAAAAAAAAAAAAAAAAAAAAAAAAAAAAAAAAAf39/ACUAAABYAAAAAAAAAAAAAAAAAAAAAAAAAAAAAAAAAAAAAAAAAAAAAAAAAAAAAAAAAAAAAAA/AAAAAAAAAKCGAQAAAAAAAAAAAAAAAAAMAAAAAQAAAAAAAAAAAAAAAAAAAB8AAABUAAAAT4G9Bf///wEAAAAAAAAAAAAAAAAAAAAAAAAAAAAAAAAAAAAAAAAAAAAAAAJ/f38A7uzhA8zMzADAwP8Af39/AAAAAAAAAAAAAAAAAAAAAAAAAAAAIQAAABgAAAAUAAAAfAAAAEIFAAB2GwAAkgwAAAAgAAAmAAAACAAAAP//////////"/>
               </a:ext>
             </a:extLst>
           </p:cNvSpPr>
@@ -10571,7 +10545,7 @@
           <p:cNvSpPr txBox="1">
             <a:extLst>
               <a:ext uri="smNativeData">
-                <pr:smNativeData xmlns:pr="smNativeData" xmlns="smNativeData" val="SMDATA_15_JtjWYhMAAAAlAAAAEgAAAE8BAAAAkAAAAEgAAACQAAAASAAAAAAAAAAAAAAAAAAAAAEAAABQAAAAAAAAAAAA4D8AAAAAAADgPwAAAAAAAOA/AAAAAAAA4D8AAAAAAADgPwAAAAAAAOA/AAAAAAAA4D8AAAAAAADgPwAAAAAAAOA/AAAAAAAA4D8CAAAAjAAAAAAAAAAAAAAAT4G9DP///wgAAAAAAAAAAAAAAAAAAAAAAAAAAAAAAAAAAAAAZAAAAAEAAABAAAAAAAAAAAAAAAAAAAAAAAAAAAAAAAAAAAAAAAAAAAAAAAAAAAAAAAAAAAAAAAAAAAAAAAAAAAAAAAAAAAAAAAAAAAAAAAAAAAAAAAAAAAAAAAAAAAAAFAAAADwAAAAAAAAAAAAAAAAAAAkUAAAAAQAAABQAAAAUAAAAFAAAAAEAAAAAAAAAZAAAAGQAAAAAAAAAZAAAAGQAAAAVAAAAYAAAAAAAAAAAAAAADwAAACADAAAAAAAAAAAAAAEAAACgMgAAVgcAAKr4//8BAAAAf39/AAEAAABkAAAAAAAAABQAAABAHwAAAAAAACYAAAAAAAAAwOD//wAAAAAmAAAAZAAAABYAAABMAAAAAAAAAAAAAAAEAAAAAAAAAAEAAADu7OEKAAAAACgAAAAoAAAAZAAAAGQAAAAAAAAAzMzMAAAAAABQAAAAUAAAAGQAAABkAAAAAAAAABcAAAAUAAAAAAAAABkMAAD/fwAA/38AAAAAAAAJAAAABAAAAC8AAAAeAAAAaAAAAAAAAAAAAAAAAAAAAAAAAAAAAAAAECcAABAnAAAAAAAAAAAAAAAAAAAAAAAAAAAAAAAAAAAAAAAAAAAAABQAAAAAAAAAwMD/AAAAAABkAAAAMgAAAAAAAABkAAAAAAAAAH9/fwAKAAAAIgAAABgAAAAAAAAAAAAAAAAAAAAAAAAAAAAAAAAAAAAkAAAAJAAAAAAAAAAHAAAAAAAAAAAAAAAAAAAAAAAAAAAAAAAAAAAAf39/ACUAAABYAAAAAAAAAAAAAAAAAAAAAAAAAAAAAAAAAAAAAAAAAAAAAAAAAAAAAAAAAAAAAAA/AAAAAAAAAKCGAQAAAAAAAAAAAAAAAAAMAAAAAQAAAAAAAAAAAAAAAAAAAB8AAABUAAAAT4G9Bf///wEAAAAAAAAAAAAAAAAAAAAAAAAAAAAAAAAAAAAAAAAAAAAAAAJ/f38A7uzhA8zMzADAwP8Af39/AAAAAAAAAAAAAAAAAAAAAAAAAAAAIQAAABgAAAAUAAAAfAAAAOAMAACHGwAAUCcAAAAgAAAmAAAACAAAAP//////////"/>
+                <pr:smNativeData xmlns:pr="smNativeData" xmlns="smNativeData" val="SMDATA_15_iunWYhMAAAAlAAAAEgAAAE8BAAAAkAAAAEgAAACQAAAASAAAAAAAAAAAAAAAAAAAAAEAAABQAAAAAAAAAAAA4D8AAAAAAADgPwAAAAAAAOA/AAAAAAAA4D8AAAAAAADgPwAAAAAAAOA/AAAAAAAA4D8AAAAAAADgPwAAAAAAAOA/AAAAAAAA4D8CAAAAjAAAAAAAAAAAAAAAT4G9DP///wgAAAAAAAAAAAAAAAAAAAAAAAAAAAAAAAAAAAAAZAAAAAEAAABAAAAAAAAAAAAAAAAAAAAAAAAAAAAAAAAAAAAAAAAAAAAAAAAAAAAAAAAAAAAAAAAAAAAAAAAAAAAAAAAAAAAAAAAAAAAAAAAAAAAAAAAAAAAAAAAAAAAAFAAAADwAAAAAAAAAAAAAAAAAAAkUAAAAAQAAABQAAAAUAAAAFAAAAAEAAAAAAAAAZAAAAGQAAAAAAAAAZAAAAGQAAAAVAAAAYAAAAAAAAAAAAAAADwAAACADAAAAAAAAAAAAAAEAAACgMgAAVgcAAKr4//8BAAAAf39/AAEAAABkAAAAAAAAABQAAABAHwAAAAAAACYAAAAAAAAAwOD//wAAAAAmAAAAZAAAABYAAABMAAAAAAAAAAAAAAAEAAAAAAAAAAEAAADu7OEKAAAAACgAAAAoAAAAZAAAAGQAAAAAAAAAzMzMAAAAAABQAAAAUAAAAGQAAABkAAAAAAAAABcAAAAUAAAAAAAAABkMAAD/fwAA/38AAAAAAAAJAAAABAAAAC8AAAAeAAAAaAAAAAAAAAAAAAAAAAAAAAAAAAAAAAAAECcAABAnAAAAAAAAAAAAAAAAAAAAAAAAAAAAAAAAAAAAAAAAAAAAABQAAAAAAAAAwMD/AAAAAABkAAAAMgAAAAAAAABkAAAAAAAAAH9/fwAKAAAAIgAAABgAAAAAAAAAAAAAAAAAAAAAAAAAAAAAAAAAAAAkAAAAJAAAAAAAAAAHAAAAAAAAAAAAAAAAAAAAAAAAAAAAAAAAAAAAf39/ACUAAABYAAAAAAAAAAAAAAAAAAAAAAAAAAAAAAAAAAAAAAAAAAAAAAAAAAAAAAAAAAAAAAA/AAAAAAAAAKCGAQAAAAAAAAAAAAAAAAAMAAAAAQAAAAAAAAAAAAAAAAAAAB8AAABUAAAAT4G9Bf///wEAAAAAAAAAAAAAAAAAAAAAAAAAAAAAAAAAAAAAAAAAAAAAAAJ/f38A7uzhA8zMzADAwP8Af39/AAAAAAAAAAAAAAAAAAAAAAAAAAAAIQAAABgAAAAUAAAAfAAAAOAMAACHGwAAUCcAAAAgAAAmAAAACAAAAP//////////"/>
               </a:ext>
             </a:extLst>
           </p:cNvSpPr>
@@ -10899,7 +10873,7 @@
           <p:cNvSpPr txBox="1">
             <a:extLst>
               <a:ext uri="smNativeData">
-                <pr:smNativeData xmlns:pr="smNativeData" xmlns="smNativeData" val="SMDATA_15_JtjWYhMAAAAlAAAAEgAAAE8BAAAAkAAAAEgAAACQAAAASAAAAAAAAAAAAAAAAAAAAAEAAABQAAAAAAAAAAAA4D8AAAAAAADgPwAAAAAAAOA/AAAAAAAA4D8AAAAAAADgPwAAAAAAAOA/AAAAAAAA4D8AAAAAAADgPwAAAAAAAOA/AAAAAAAA4D8CAAAAjAAAAAAAAAAAAAAAT4G9DP///wgAAAAAAAAAAAAAAAAAAAAAAAAAAAAAAAAAAAAAZAAAAAEAAABAAAAAAAAAAAAAAAAAAAAAAAAAAAAAAAAAAAAAAAAAAAAAAAAAAAAAAAAAAAAAAAAAAAAAAAAAAAAAAAAAAAAAAAAAAAAAAAAAAAAAAAAAAAAAAAAAAAAAFAAAADwAAAAAAAAAAAAAAAAAAAkUAAAAAQAAABQAAAAUAAAAFAAAAAEAAAAAAAAAZAAAAGQAAAAAAAAAZAAAAGQAAAAVAAAAYAAAAAAAAAAAAAAADwAAACADAAAAAAAAAAAAAAEAAACgMgAAVgcAAKr4//8BAAAAf39/AAEAAABkAAAAAAAAABQAAABAHwAAAAAAACYAAAAAAAAAwOD//wAAAAAmAAAAZAAAABYAAABMAAAAAAAAAAAAAAAEAAAAAAAAAAEAAADu7OEKAAAAACgAAAAoAAAAZAAAAGQAAAAAAAAAzMzMAAAAAABQAAAAUAAAAGQAAABkAAAAAAAAABcAAAAUAAAAAAAAABkMAAD/fwAA/38AAAAAAAAJAAAABAAAAC8AAAAeAAAAaAAAAAAAAAAAAAAAAAAAAAAAAAAAAAAAECcAABAnAAAAAAAAAAAAAAAAAAAAAAAAAAAAAAAAAAAAAAAAAAAAABQAAAAAAAAAwMD/AAAAAABkAAAAMgAAAAAAAABkAAAAAAAAAH9/fwAKAAAAIgAAABgAAAAAAAAAAAAAAAAAAAAAAAAAAAAAAAAAAAAkAAAAJAAAAAAAAAAHAAAAAAAAAAAAAAAAAAAAAAAAAAAAAAAAAAAAf39/ACUAAABYAAAAAAAAAAAAAAAAAAAAAAAAAAAAAAAAAAAAAAAAAAAAAAAAAAAAAAAAAAAAAAA/AAAAAAAAAKCGAQAAAAAAAAAAAAAAAAAMAAAAAQAAAAAAAAAAAAAAAAAAAB8AAABUAAAAT4G9Bf///wEAAAAAAAAAAAAAAAAAAAAAAAAAAAAAAAAAAAAAAAAAAAAAAAJ/f38A7uzhA8zMzADAwP8Af39/AAAAAAAAAAAAAAAAAAAAAAAAAAAAIQAAABgAAAAUAAAAwRwAAEoFAABoNwAAmhUAAAAgAAAmAAAACAAAAP//////////"/>
+                <pr:smNativeData xmlns:pr="smNativeData" xmlns="smNativeData" val="SMDATA_15_iunWYhMAAAAlAAAAEgAAAE8BAAAAkAAAAEgAAACQAAAASAAAAAAAAAAAAAAAAAAAAAEAAABQAAAAAAAAAAAA4D8AAAAAAADgPwAAAAAAAOA/AAAAAAAA4D8AAAAAAADgPwAAAAAAAOA/AAAAAAAA4D8AAAAAAADgPwAAAAAAAOA/AAAAAAAA4D8CAAAAjAAAAAAAAAAAAAAAT4G9DP///wgAAAAAAAAAAAAAAAAAAAAAAAAAAAAAAAAAAAAAZAAAAAEAAABAAAAAAAAAAAAAAAAAAAAAAAAAAAAAAAAAAAAAAAAAAAAAAAAAAAAAAAAAAAAAAAAAAAAAAAAAAAAAAAAAAAAAAAAAAAAAAAAAAAAAAAAAAAAAAAAAAAAAFAAAADwAAAAAAAAAAAAAAAAAAAkUAAAAAQAAABQAAAAUAAAAFAAAAAEAAAAAAAAAZAAAAGQAAAAAAAAAZAAAAGQAAAAVAAAAYAAAAAAAAAAAAAAADwAAACADAAAAAAAAAAAAAAEAAACgMgAAVgcAAKr4//8BAAAAf39/AAEAAABkAAAAAAAAABQAAABAHwAAAAAAACYAAAAAAAAAwOD//wAAAAAmAAAAZAAAABYAAABMAAAAAAAAAAAAAAAEAAAAAAAAAAEAAADu7OEKAAAAACgAAAAoAAAAZAAAAGQAAAAAAAAAzMzMAAAAAABQAAAAUAAAAGQAAABkAAAAAAAAABcAAAAUAAAAAAAAABkMAAD/fwAA/38AAAAAAAAJAAAABAAAAC8AAAAeAAAAaAAAAAAAAAAAAAAAAAAAAAAAAAAAAAAAECcAABAnAAAAAAAAAAAAAAAAAAAAAAAAAAAAAAAAAAAAAAAAAAAAABQAAAAAAAAAwMD/AAAAAABkAAAAMgAAAAAAAABkAAAAAAAAAH9/fwAKAAAAIgAAABgAAAAAAAAAAAAAAAAAAAAAAAAAAAAAAAAAAAAkAAAAJAAAAAAAAAAHAAAAAAAAAAAAAAAAAAAAAAAAAAAAAAAAAAAAf39/ACUAAABYAAAAAAAAAAAAAAAAAAAAAAAAAAAAAAAAAAAAAAAAAAAAAAAAAAAAAAAAAAAAAAA/AAAAAAAAAKCGAQAAAAAAAAAAAAAAAAAMAAAAAQAAAAAAAAAAAAAAAAAAAB8AAABUAAAAT4G9Bf///wEAAAAAAAAAAAAAAAAAAAAAAAAAAAAAAAAAAAAAAAAAAAAAAAJ/f38A7uzhA8zMzADAwP8Af39/AAAAAAAAAAAAAAAAAAAAAAAAAAAAIQAAABgAAAAUAAAAwRwAAEoFAABoNwAAmhUAAAAgAAAmAAAACAAAAP//////////"/>
               </a:ext>
             </a:extLst>
           </p:cNvSpPr>
@@ -11095,7 +11069,7 @@
           <p:cNvSpPr txBox="1">
             <a:extLst>
               <a:ext uri="smNativeData">
-                <pr:smNativeData xmlns:pr="smNativeData" xmlns="smNativeData" val="SMDATA_15_JtjWYhMAAAAlAAAAEgAAAE8BAAAAkAAAAEgAAACQAAAASAAAAAAAAAAAAAAAAAAAAAEAAABQAAAAAAAAAAAA4D8AAAAAAADgPwAAAAAAAOA/AAAAAAAA4D8AAAAAAADgPwAAAAAAAOA/AAAAAAAA4D8AAAAAAADgPwAAAAAAAOA/AAAAAAAA4D8CAAAAjAAAAAAAAAAAAAAAT4G9DP///wgAAAAAAAAAAAAAAAAAAAAAAAAAAAAAAAAAAAAAZAAAAAEAAABAAAAAAAAAAAAAAAAAAAAAAAAAAAAAAAAAAAAAAAAAAAAAAAAAAAAAAAAAAAAAAAAAAAAAAAAAAAAAAAAAAAAAAAAAAAAAAAAAAAAAAAAAAAAAAAAAAAAAFAAAADwAAAAAAAAAAAAAAAAAAAkUAAAAAQAAABQAAAAUAAAAFAAAAAEAAAAAAAAAZAAAAGQAAAAAAAAAZAAAAGQAAAAVAAAAYAAAAAAAAAAAAAAADwAAACADAAAAAAAAAAAAAAEAAACgMgAAVgcAAKr4//8BAAAAf39/AAEAAABkAAAAAAAAABQAAABAHwAAAAAAACYAAAAAAAAAwOD//wAAAAAmAAAAZAAAABYAAABMAAAAAAAAAAAAAAAEAAAAAAAAAAEAAADu7OEKAAAAACgAAAAoAAAAZAAAAGQAAAAAAAAAzMzMAAAAAABQAAAAUAAAAGQAAABkAAAAAAAAABcAAAAUAAAAAAAAABkMAAD/fwAA/38AAAAAAAAJAAAABAAAAC8AAAAeAAAAaAAAAAAAAAAAAAAAAAAAAAAAAAAAAAAAECcAABAnAAAAAAAAAAAAAAAAAAAAAAAAAAAAAAAAAAAAAAAAAAAAABQAAAAAAAAAwMD/AAAAAABkAAAAMgAAAAAAAABkAAAAAAAAAH9/fwAKAAAAIgAAABgAAAAAAAAAAAAAAAAAAAAAAAAAAAAAAAAAAAAkAAAAJAAAAAAAAAAHAAAAAAAAAAAAAAAAAAAAAAAAAAAAAAAAAAAAf39/ACUAAABYAAAAAAAAAAAAAAAAAAAAAAAAAAAAAAAAAAAAAAAAAAAAAAAAAAAAAAAAAAAAAAA/AAAAAAAAAKCGAQAAAAAAAAAAAAAAAAAMAAAAAQAAAAAAAAAAAAAAAAAAAB8AAABUAAAAT4G9Bf///wEAAAAAAAAAAAAAAAAAAAAAAAAAAAAAAAAAAAAAAAAAAAAAAAJ/f38A7uzhA8zMzADAwP8Af39/AAAAAAAAAAAAAAAAAAAAAAAAAAAAIQAAABgAAAAUAAAA0RwAACEXAABYNwAAkSgAAAAgAAAmAAAACAAAAP//////////"/>
+                <pr:smNativeData xmlns:pr="smNativeData" xmlns="smNativeData" val="SMDATA_15_iunWYhMAAAAlAAAAEgAAAE8BAAAAkAAAAEgAAACQAAAASAAAAAAAAAAAAAAAAAAAAAEAAABQAAAAAAAAAAAA4D8AAAAAAADgPwAAAAAAAOA/AAAAAAAA4D8AAAAAAADgPwAAAAAAAOA/AAAAAAAA4D8AAAAAAADgPwAAAAAAAOA/AAAAAAAA4D8CAAAAjAAAAAAAAAAAAAAAT4G9DP///wgAAAAAAAAAAAAAAAAAAAAAAAAAAAAAAAAAAAAAZAAAAAEAAABAAAAAAAAAAAAAAAAAAAAAAAAAAAAAAAAAAAAAAAAAAAAAAAAAAAAAAAAAAAAAAAAAAAAAAAAAAAAAAAAAAAAAAAAAAAAAAAAAAAAAAAAAAAAAAAAAAAAAFAAAADwAAAAAAAAAAAAAAAAAAAkUAAAAAQAAABQAAAAUAAAAFAAAAAEAAAAAAAAAZAAAAGQAAAAAAAAAZAAAAGQAAAAVAAAAYAAAAAAAAAAAAAAADwAAACADAAAAAAAAAAAAAAEAAACgMgAAVgcAAKr4//8BAAAAf39/AAEAAABkAAAAAAAAABQAAABAHwAAAAAAACYAAAAAAAAAwOD//wAAAAAmAAAAZAAAABYAAABMAAAAAAAAAAAAAAAEAAAAAAAAAAEAAADu7OEKAAAAACgAAAAoAAAAZAAAAGQAAAAAAAAAzMzMAAAAAABQAAAAUAAAAGQAAABkAAAAAAAAABcAAAAUAAAAAAAAABkMAAD/fwAA/38AAAAAAAAJAAAABAAAAC8AAAAeAAAAaAAAAAAAAAAAAAAAAAAAAAAAAAAAAAAAECcAABAnAAAAAAAAAAAAAAAAAAAAAAAAAAAAAAAAAAAAAAAAAAAAABQAAAAAAAAAwMD/AAAAAABkAAAAMgAAAAAAAABkAAAAAAAAAH9/fwAKAAAAIgAAABgAAAAAAAAAAAAAAAAAAAAAAAAAAAAAAAAAAAAkAAAAJAAAAAAAAAAHAAAAAAAAAAAAAAAAAAAAAAAAAAAAAAAAAAAAf39/ACUAAABYAAAAAAAAAAAAAAAAAAAAAAAAAAAAAAAAAAAAAAAAAAAAAAAAAAAAAAAAAAAAAAA/AAAAAAAAAKCGAQAAAAAAAAAAAAAAAAAMAAAAAQAAAAAAAAAAAAAAAAAAAB8AAABUAAAAT4G9Bf///wEAAAAAAAAAAAAAAAAAAAAAAAAAAAAAAAAAAAAAAAAAAAAAAAJ/f38A7uzhA8zMzADAwP8Af39/AAAAAAAAAAAAAAAAAAAAAAAAAAAAIQAAABgAAAAUAAAA0RwAACEXAABYNwAAkSgAAAAgAAAmAAAACAAAAP//////////"/>
               </a:ext>
             </a:extLst>
           </p:cNvSpPr>
@@ -11288,7 +11262,7 @@
           <p:cNvSpPr txBox="1">
             <a:extLst>
               <a:ext uri="smNativeData">
-                <pr:smNativeData xmlns:pr="smNativeData" xmlns="smNativeData" val="SMDATA_15_JtjWYhMAAAAlAAAAEgAAAE8BAAAAkAAAAEgAAACQAAAASAAAAAAAAAAAAAAAAAAAAAEAAABQAAAAAAAAAAAA4D8AAAAAAADgPwAAAAAAAOA/AAAAAAAA4D8AAAAAAADgPwAAAAAAAOA/AAAAAAAA4D8AAAAAAADgPwAAAAAAAOA/AAAAAAAA4D8CAAAAjAAAAAEAAAAAAAAAH0l9C////wgAAAAAAAAAAAAAAAAAAAAAAAAAAAAAAAAAAAAAZAAAAAEAAABAAAAAAAAAAAAAAAAAAAAAAAAAAAAAAAAAAAAAAAAAAAAAAAAAAAAAAAAAAAAAAAAAAAAAAAAAAAAAAAAAAAAAAAAAAAAAAAAAAAAAAAAAAAAAAAAAAAAAFAAAADwAAAABAAAAAAAAAB9JfQsUAAAAAQAAABQAAAAUAAAAFAAAAAEAAAAAAAAAZAAAAGQAAAAAAAAAZAAAAGQAAAAVAAAAYAAAAAAAAAAAAAAADwAAACADAAAAAAAAAAAAAAEAAACgMgAAVgcAAKr4//8BAAAAf39/AAEAAABkAAAAAAAAABQAAABAHwAAAAAAACYAAAAAAAAAwOD//wAAAAAmAAAAZAAAABYAAABMAAAAAAAAAAAAAAAEAAAAAAAAAAEAAADu7OEKAAAAACgAAAAoAAAAZAAAAGQAAAAAAAAAzMzMAAAAAABQAAAAUAAAAGQAAABkAAAAAAAAABcAAAAUAAAAAAAAAJUIAAD/fwAA/38AAAAAAAAJAAAABAAAAAAAAAAeAAAAaAAAAAAAAAAAAAAAAAAAAAAAAAAAAAAAECcAABAnAAAAAAAAAAAAAAAAAAAAAAAAAAAAAAAAAAAAAAAAAAAAABQAAAAAAAAAwMD/AAAAAABkAAAAMgAAAAAAAABkAAAAAAAAAH9/fwAKAAAAIgAAABgAAAAAAAAAAAAAAAAAAAAAAAAAAAAAAAAAAAAkAAAAJAAAAAAAAAAHAAAAAAAAAAAAAAAAAAAAAAAAAAAAAAAAAAAAf39/ACUAAABYAAAAAAAAAAAAAAAAAAAAAAAAAAAAAAAAAAAAAAAAAAAAAAAAAAAAAAAAAAAAAAA/AAAAAAAAAKCGAQAAAAAAAAAAAAAAAAAMAAAAAQAAAAAAAAAAAAAAAAAAAB8AAABUAAAAH0l9BP///wEAAAAAAAAAAAAAAAAAAAAAAAAAAAAAAAAAAAAAAAAAAB9JfQR/f38A7uzhA8zMzADAwP8Af39/AAAAAAAAAAAAAAAAAAAAAAAAAAAAIQAAABgAAAAUAAAAewcAAH0GAACtFAAAjQsAAAAgAAAmAAAACAAAAP//////////"/>
+                <pr:smNativeData xmlns:pr="smNativeData" xmlns="smNativeData" val="SMDATA_15_iunWYhMAAAAlAAAAEgAAAE8BAAAAkAAAAEgAAACQAAAASAAAAAAAAAAAAAAAAAAAAAEAAABQAAAAAAAAAAAA4D8AAAAAAADgPwAAAAAAAOA/AAAAAAAA4D8AAAAAAADgPwAAAAAAAOA/AAAAAAAA4D8AAAAAAADgPwAAAAAAAOA/AAAAAAAA4D8CAAAAjAAAAAEAAAAAAAAAH0l9C////wgAAAAAAAAAAAAAAAAAAAAAAAAAAAAAAAAAAAAAZAAAAAEAAABAAAAAAAAAAAAAAAAAAAAAAAAAAAAAAAAAAAAAAAAAAAAAAAAAAAAAAAAAAAAAAAAAAAAAAAAAAAAAAAAAAAAAAAAAAAAAAAAAAAAAAAAAAAAAAAAAAAAAFAAAADwAAAABAAAAAAAAAB9JfQsUAAAAAQAAABQAAAAUAAAAFAAAAAEAAAAAAAAAZAAAAGQAAAAAAAAAZAAAAGQAAAAVAAAAYAAAAAAAAAAAAAAADwAAACADAAAAAAAAAAAAAAEAAACgMgAAVgcAAKr4//8BAAAAf39/AAEAAABkAAAAAAAAABQAAABAHwAAAAAAACYAAAAAAAAAwOD//wAAAAAmAAAAZAAAABYAAABMAAAAAAAAAAAAAAAEAAAAAAAAAAEAAADu7OEKAAAAACgAAAAoAAAAZAAAAGQAAAAAAAAAzMzMAAAAAABQAAAAUAAAAGQAAABkAAAAAAAAABcAAAAUAAAAAAAAAJUIAAD/fwAA/38AAAAAAAAJAAAABAAAAAAAAAAeAAAAaAAAAAAAAAAAAAAAAAAAAAAAAAAAAAAAECcAABAnAAAAAAAAAAAAAAAAAAAAAAAAAAAAAAAAAAAAAAAAAAAAABQAAAAAAAAAwMD/AAAAAABkAAAAMgAAAAAAAABkAAAAAAAAAH9/fwAKAAAAIgAAABgAAAAAAAAAAAAAAAAAAAAAAAAAAAAAAAAAAAAkAAAAJAAAAAAAAAAHAAAAAAAAAAAAAAAAAAAAAAAAAAAAAAAAAAAAf39/ACUAAABYAAAAAAAAAAAAAAAAAAAAAAAAAAAAAAAAAAAAAAAAAAAAAAAAAAAAAAAAAAAAAAA/AAAAAAAAAKCGAQAAAAAAAAAAAAAAAAAMAAAAAQAAAAAAAAAAAAAAAAAAAB8AAABUAAAAH0l9BP///wEAAAAAAAAAAAAAAAAAAAAAAAAAAAAAAAAAAAAAAAAAAB9JfQR/f38A7uzhA8zMzADAwP8Af39/AAAAAAAAAAAAAAAAAAAAAAAAAAAAIQAAABgAAAAUAAAAewcAAH0GAACtFAAAjQsAAAAgAAAmAAAACAAAAP//////////"/>
               </a:ext>
             </a:extLst>
           </p:cNvSpPr>
@@ -11338,7 +11312,7 @@
           <p:cNvSpPr txBox="1">
             <a:extLst>
               <a:ext uri="smNativeData">
-                <pr:smNativeData xmlns:pr="smNativeData" xmlns="smNativeData" val="SMDATA_15_JtjWYhMAAAAlAAAAEgAAAE8BAAAAkAAAAEgAAACQAAAASAAAAAAAAAAAAAAAAAAAAAEAAABQAAAAAAAAAAAA4D8AAAAAAADgPwAAAAAAAOA/AAAAAAAA4D8AAAAAAADgPwAAAAAAAOA/AAAAAAAA4D8AAAAAAADgPwAAAAAAAOA/AAAAAAAA4D8CAAAAjAAAAAEAAAAAAAAAwFBNDf///wgAAAAAAAAAAAAAAAAAAAAAAAAAAAAAAAAAAAAAZAAAAAEAAABAAAAAAAAAAAAAAAAAAAAAAAAAAAAAAAAAAAAAAAAAAAAAAAAAAAAAAAAAAAAAAAAAAAAAAAAAAAAAAAAAAAAAAAAAAAAAAAAAAAAAAAAAAAAAAAAAAAAAFAAAADwAAAABAAAAAAAAAMBQTQ0UAAAAAQAAABQAAAAUAAAAFAAAAAEAAAAAAAAAZAAAAGQAAAAAAAAAZAAAAGQAAAAVAAAAYAAAAAAAAAAAAAAADwAAACADAAAAAAAAAAAAAAEAAACgMgAAVgcAAKr4//8BAAAAf39/AAEAAABkAAAAAAAAABQAAABAHwAAAAAAACYAAAAAAAAAwOD//wAAAAAmAAAAZAAAABYAAABMAAAAAAAAAAAAAAAEAAAAAAAAAAEAAADu7OEKAAAAACgAAAAoAAAAZAAAAGQAAAAAAAAAzMzMAAAAAABQAAAAUAAAAGQAAABkAAAAAAAAABcAAAAUAAAAAAAAAJUIAAD/fwAA/38AAAAAAAAJAAAABAAAAC8AAAAeAAAAaAAAAAAAAAAAAAAAAAAAAAAAAAAAAAAAECcAABAnAAAAAAAAAAAAAAAAAAAAAAAAAAAAAAAAAAAAAAAAAAAAABQAAAAAAAAAwMD/AAAAAABkAAAAMgAAAAAAAABkAAAAAAAAAH9/fwAKAAAAIgAAABgAAAAAAAAAAAAAAAAAAAAAAAAAAAAAAAAAAAAkAAAAJAAAAAAAAAAHAAAAAAAAAAAAAAAAAAAAAAAAAAAAAAAAAAAAf39/ACUAAABYAAAAAAAAAAAAAAAAAAAAAAAAAAAAAAAAAAAAAAAAAAAAAAAAAAAAAAAAAAAAAAA/AAAAAAAAAKCGAQAAAAAAAAAAAAAAAAAMAAAAAQAAAAAAAAAAAAAAAAAAAB8AAABUAAAAwFBNBv///wEAAAAAAAAAAAAAAAAAAAAAAAAAAAAAAAAAAAAAAAAAAMBQTQZ/f38A7uzhA8zMzADAwP8Af39/AAAAAAAAAAAAAAAAAAAAAAAAAAAAIQAAABgAAAAUAAAApwYAAOwbAABdFgAA/CAAAAAgAAAmAAAACAAAAP//////////"/>
+                <pr:smNativeData xmlns:pr="smNativeData" xmlns="smNativeData" val="SMDATA_15_iunWYhMAAAAlAAAAEgAAAE8BAAAAkAAAAEgAAACQAAAASAAAAAAAAAAAAAAAAAAAAAEAAABQAAAAAAAAAAAA4D8AAAAAAADgPwAAAAAAAOA/AAAAAAAA4D8AAAAAAADgPwAAAAAAAOA/AAAAAAAA4D8AAAAAAADgPwAAAAAAAOA/AAAAAAAA4D8CAAAAjAAAAAEAAAAAAAAAwFBNDf///wgAAAAAAAAAAAAAAAAAAAAAAAAAAAAAAAAAAAAAZAAAAAEAAABAAAAAAAAAAAAAAAAAAAAAAAAAAAAAAAAAAAAAAAAAAAAAAAAAAAAAAAAAAAAAAAAAAAAAAAAAAAAAAAAAAAAAAAAAAAAAAAAAAAAAAAAAAAAAAAAAAAAAFAAAADwAAAABAAAAAAAAAMBQTQ0UAAAAAQAAABQAAAAUAAAAFAAAAAEAAAAAAAAAZAAAAGQAAAAAAAAAZAAAAGQAAAAVAAAAYAAAAAAAAAAAAAAADwAAACADAAAAAAAAAAAAAAEAAACgMgAAVgcAAKr4//8BAAAAf39/AAEAAABkAAAAAAAAABQAAABAHwAAAAAAACYAAAAAAAAAwOD//wAAAAAmAAAAZAAAABYAAABMAAAAAAAAAAAAAAAEAAAAAAAAAAEAAADu7OEKAAAAACgAAAAoAAAAZAAAAGQAAAAAAAAAzMzMAAAAAABQAAAAUAAAAGQAAABkAAAAAAAAABcAAAAUAAAAAAAAAJUIAAD/fwAA/38AAAAAAAAJAAAABAAAAC8AAAAeAAAAaAAAAAAAAAAAAAAAAAAAAAAAAAAAAAAAECcAABAnAAAAAAAAAAAAAAAAAAAAAAAAAAAAAAAAAAAAAAAAAAAAABQAAAAAAAAAwMD/AAAAAABkAAAAMgAAAAAAAABkAAAAAAAAAH9/fwAKAAAAIgAAABgAAAAAAAAAAAAAAAAAAAAAAAAAAAAAAAAAAAAkAAAAJAAAAAAAAAAHAAAAAAAAAAAAAAAAAAAAAAAAAAAAAAAAAAAAf39/ACUAAABYAAAAAAAAAAAAAAAAAAAAAAAAAAAAAAAAAAAAAAAAAAAAAAAAAAAAAAAAAAAAAAA/AAAAAAAAAKCGAQAAAAAAAAAAAAAAAAAMAAAAAQAAAAAAAAAAAAAAAAAAAB8AAABUAAAAwFBNBv///wEAAAAAAAAAAAAAAAAAAAAAAAAAAAAAAAAAAAAAAAAAAMBQTQZ/f38A7uzhA8zMzADAwP8Af39/AAAAAAAAAAAAAAAAAAAAAAAAAAAAIQAAABgAAAAUAAAApwYAAOwbAABdFgAA/CAAAAAgAAAmAAAACAAAAP//////////"/>
               </a:ext>
             </a:extLst>
           </p:cNvSpPr>
@@ -11388,7 +11362,7 @@
           <p:cNvSpPr txBox="1">
             <a:extLst>
               <a:ext uri="smNativeData">
-                <pr:smNativeData xmlns:pr="smNativeData" xmlns="smNativeData" val="SMDATA_15_JtjWYhMAAAAlAAAAEgAAAE8BAAAAkAAAAEgAAACQAAAASAAAAAAAAAAAAAAAAAAAAAEAAABQAAAAAAAAAAAA4D8AAAAAAADgPwAAAAAAAOA/AAAAAAAA4D8AAAAAAADgPwAAAAAAAOA/AAAAAAAA4D8AAAAAAADgPwAAAAAAAOA/AAAAAAAA4D8CAAAAjAAAAAEAAAAAAAAAgGSiAP///wgAAAAAAAAAAAAAAAAAAAAAAAAAAAAAAAAAAAAAZAAAAAEAAABAAAAAAAAAAAAAAAAAAAAAAAAAAAAAAAAAAAAAAAAAAAAAAAAAAAAAAAAAAAAAAAAAAAAAAAAAAAAAAAAAAAAAAAAAAAAAAAAAAAAAAAAAAAAAAAAAAAAAFAAAADwAAAABAAAAAAAAAIBkogAUAAAAAQAAABQAAAAUAAAAFAAAAAEAAAAAAAAAZAAAAGQAAAAAAAAAZAAAAGQAAAAVAAAAYAAAAAAAAAAAAAAADwAAACADAAAAAAAAAAAAAAEAAACgMgAAVgcAAKr4//8BAAAAf39/AAEAAABkAAAAAAAAABQAAABAHwAAAAAAACYAAAAAAAAAwOD//wAAAAAmAAAAZAAAABYAAABMAAAAAAAAAAAAAAAEAAAAAAAAAAEAAADu7OEKAAAAACgAAAAoAAAAZAAAAGQAAAAAAAAAzMzMAAAAAABQAAAAUAAAAGQAAABkAAAAAAAAABcAAAAUAAAAAAAAAJUIAAD/fwAA/38AAAAAAAAJAAAABAAAAC8AAAAeAAAAaAAAAAAAAAAAAAAAAAAAAAAAAAAAAAAAECcAABAnAAAAAAAAAAAAAAAAAAAAAAAAAAAAAAAAAAAAAAAAAAAAABQAAAAAAAAAwMD/AAAAAABkAAAAMgAAAAAAAABkAAAAAAAAAH9/fwAKAAAAIgAAABgAAAAAAAAAAAAAAAAAAAAAAAAAAAAAAAAAAAAkAAAAJAAAAAAAAAAHAAAAAAAAAAAAAAAAAAAAAAAAAAAAAAAAAAAAf39/ACUAAABYAAAAAAAAAAAAAAAAAAAAAAAAAAAAAAAAAAAAAAAAAAAAAAAAAAAAAAAAAAAAAAA/AAAAAAAAAKCGAQAAAAAAAAAAAAAAAAAMAAAAAQAAAAAAAAAAAAAAAAAAAB8AAABUAAAAgGSiCv///wEAAAAAAAAAAAAAAAAAAAAAAAAAAAAAAAAAAAAAAAAAAIBkogp/f38A7uzhA8zMzADAwP8Af39/AAAAAAAAAAAAAAAAAAAAAAAAAAAAIQAAABgAAAAUAAAAXiIAAGwGAADrMQAAfAsAAAAgAAAmAAAACAAAAP//////////"/>
+                <pr:smNativeData xmlns:pr="smNativeData" xmlns="smNativeData" val="SMDATA_15_iunWYhMAAAAlAAAAEgAAAE8BAAAAkAAAAEgAAACQAAAASAAAAAAAAAAAAAAAAAAAAAEAAABQAAAAAAAAAAAA4D8AAAAAAADgPwAAAAAAAOA/AAAAAAAA4D8AAAAAAADgPwAAAAAAAOA/AAAAAAAA4D8AAAAAAADgPwAAAAAAAOA/AAAAAAAA4D8CAAAAjAAAAAEAAAAAAAAAgGSiAP///wgAAAAAAAAAAAAAAAAAAAAAAAAAAAAAAAAAAAAAZAAAAAEAAABAAAAAAAAAAAAAAAAAAAAAAAAAAAAAAAAAAAAAAAAAAAAAAAAAAAAAAAAAAAAAAAAAAAAAAAAAAAAAAAAAAAAAAAAAAAAAAAAAAAAAAAAAAAAAAAAAAAAAFAAAADwAAAABAAAAAAAAAIBkogAUAAAAAQAAABQAAAAUAAAAFAAAAAEAAAAAAAAAZAAAAGQAAAAAAAAAZAAAAGQAAAAVAAAAYAAAAAAAAAAAAAAADwAAACADAAAAAAAAAAAAAAEAAACgMgAAVgcAAKr4//8BAAAAf39/AAEAAABkAAAAAAAAABQAAABAHwAAAAAAACYAAAAAAAAAwOD//wAAAAAmAAAAZAAAABYAAABMAAAAAAAAAAAAAAAEAAAAAAAAAAEAAADu7OEKAAAAACgAAAAoAAAAZAAAAGQAAAAAAAAAzMzMAAAAAABQAAAAUAAAAGQAAABkAAAAAAAAABcAAAAUAAAAAAAAAJUIAAD/fwAA/38AAAAAAAAJAAAABAAAAC8AAAAeAAAAaAAAAAAAAAAAAAAAAAAAAAAAAAAAAAAAECcAABAnAAAAAAAAAAAAAAAAAAAAAAAAAAAAAAAAAAAAAAAAAAAAABQAAAAAAAAAwMD/AAAAAABkAAAAMgAAAAAAAABkAAAAAAAAAH9/fwAKAAAAIgAAABgAAAAAAAAAAAAAAAAAAAAAAAAAAAAAAAAAAAAkAAAAJAAAAAAAAAAHAAAAAAAAAAAAAAAAAAAAAAAAAAAAAAAAAAAAf39/ACUAAABYAAAAAAAAAAAAAAAAAAAAAAAAAAAAAAAAAAAAAAAAAAAAAAAAAAAAAAAAAAAAAAA/AAAAAAAAAKCGAQAAAAAAAAAAAAAAAAAMAAAAAQAAAAAAAAAAAAAAAAAAAB8AAABUAAAAgGSiCv///wEAAAAAAAAAAAAAAAAAAAAAAAAAAAAAAAAAAAAAAAAAAIBkogp/f38A7uzhA8zMzADAwP8Af39/AAAAAAAAAAAAAAAAAAAAAAAAAAAAIQAAABgAAAAUAAAAXiIAAGwGAADrMQAAfAsAAAAgAAAmAAAACAAAAP//////////"/>
               </a:ext>
             </a:extLst>
           </p:cNvSpPr>
@@ -11438,7 +11412,7 @@
           <p:cNvSpPr txBox="1">
             <a:extLst>
               <a:ext uri="smNativeData">
-                <pr:smNativeData xmlns:pr="smNativeData" xmlns="smNativeData" val="SMDATA_15_JtjWYhMAAAAlAAAAEgAAAE8BAAAAkAAAAEgAAACQAAAASAAAAAAAAAAAAAAAAAAAAAEAAABQAAAAAAAAAAAA4D8AAAAAAADgPwAAAAAAAOA/AAAAAAAA4D8AAAAAAADgPwAAAAAAAOA/AAAAAAAA4D8AAAAAAADgPwAAAAAAAOA/AAAAAAAA4D8CAAAAjAAAAAEAAAAAAAAAAH8AAP///wgAAAAAAAAAAAAAAAAAAAAAAAAAAAAAAAAAAAAAZAAAAAEAAABAAAAAAAAAAAAAAAAAAAAAAAAAAAAAAAAAAAAAAAAAAAAAAAAAAAAAAAAAAAAAAAAAAAAAAAAAAAAAAAAAAAAAAAAAAAAAAAAAAAAAAAAAAAAAAAAAAAAAFAAAADwAAAABAAAAAAAAAAB/AAAUAAAAAQAAABQAAAAUAAAAFAAAAAEAAAAAAAAAZAAAAGQAAAAAAAAAZAAAAGQAAAAVAAAAYAAAAAAAAAAAAAAADwAAACADAAAAAAAAAAAAAAEAAACgMgAAVgcAAKr4//8BAAAAf39/AAEAAABkAAAAAAAAABQAAABAHwAAAAAAACYAAAAAAAAAwOD//wAAAAAmAAAAZAAAABYAAABMAAAAAAAAAAAAAAAEAAAAAAAAAAEAAADu7OEKAAAAACgAAAAoAAAAZAAAAGQAAAAAAAAAzMzMAAAAAABQAAAAUAAAAGQAAABkAAAAAAAAABcAAAAUAAAAAAAAAJUIAAD/fwAA/38AAAAAAAAJAAAABAAAAC8AAAAeAAAAaAAAAAAAAAAAAAAAAAAAAAAAAAAAAAAAECcAABAnAAAAAAAAAAAAAAAAAAAAAAAAAAAAAAAAAAAAAAAAAAAAABQAAAAAAAAAwMD/AAAAAABkAAAAMgAAAAAAAABkAAAAAAAAAH9/fwAKAAAAIgAAABgAAAAAAAAAAAAAAAAAAAAAAAAAAAAAAAAAAAAkAAAAJAAAAAAAAAAHAAAAAAAAAAAAAAAAAAAAAAAAAAAAAAAAAAAAf39/ACUAAABYAAAAAAAAAAAAAAAAAAAAAAAAAAAAAAAAAAAAAAAAAAAAAAAAAAAAAAAAAAAAAAA/AAAAAAAAAKCGAQAAAAAAAAAAAAAAAAAMAAAAAQAAAAAAAAAAAAAAAAAAAB8AAABUAAAAAH8AAP///wEAAAAAAAAAAAAAAAAAAAAAAAAAAAAAAAAAAAAAAAAAAAB/AAB/f38A7uzhA8zMzADAwP8Af39/AAAAAAAAAAAAAAAAAAAAAAAAAAAAIQAAABgAAAAUAAAATSIAANcbAADaMQAA5yAAAAAgAAAmAAAACAAAAP//////////"/>
+                <pr:smNativeData xmlns:pr="smNativeData" xmlns="smNativeData" val="SMDATA_15_iunWYhMAAAAlAAAAEgAAAE8BAAAAkAAAAEgAAACQAAAASAAAAAAAAAAAAAAAAAAAAAEAAABQAAAAAAAAAAAA4D8AAAAAAADgPwAAAAAAAOA/AAAAAAAA4D8AAAAAAADgPwAAAAAAAOA/AAAAAAAA4D8AAAAAAADgPwAAAAAAAOA/AAAAAAAA4D8CAAAAjAAAAAEAAAAAAAAAAH8AAP///wgAAAAAAAAAAAAAAAAAAAAAAAAAAAAAAAAAAAAAZAAAAAEAAABAAAAAAAAAAAAAAAAAAAAAAAAAAAAAAAAAAAAAAAAAAAAAAAAAAAAAAAAAAAAAAAAAAAAAAAAAAAAAAAAAAAAAAAAAAAAAAAAAAAAAAAAAAAAAAAAAAAAAFAAAADwAAAABAAAAAAAAAAB/AAAUAAAAAQAAABQAAAAUAAAAFAAAAAEAAAAAAAAAZAAAAGQAAAAAAAAAZAAAAGQAAAAVAAAAYAAAAAAAAAAAAAAADwAAACADAAAAAAAAAAAAAAEAAACgMgAAVgcAAKr4//8BAAAAf39/AAEAAABkAAAAAAAAABQAAABAHwAAAAAAACYAAAAAAAAAwOD//wAAAAAmAAAAZAAAABYAAABMAAAAAAAAAAAAAAAEAAAAAAAAAAEAAADu7OEKAAAAACgAAAAoAAAAZAAAAGQAAAAAAAAAzMzMAAAAAABQAAAAUAAAAGQAAABkAAAAAAAAABcAAAAUAAAAAAAAAJUIAAD/fwAA/38AAAAAAAAJAAAABAAAAC8AAAAeAAAAaAAAAAAAAAAAAAAAAAAAAAAAAAAAAAAAECcAABAnAAAAAAAAAAAAAAAAAAAAAAAAAAAAAAAAAAAAAAAAAAAAABQAAAAAAAAAwMD/AAAAAABkAAAAMgAAAAAAAABkAAAAAAAAAH9/fwAKAAAAIgAAABgAAAAAAAAAAAAAAAAAAAAAAAAAAAAAAAAAAAAkAAAAJAAAAAAAAAAHAAAAAAAAAAAAAAAAAAAAAAAAAAAAAAAAAAAAf39/ACUAAABYAAAAAAAAAAAAAAAAAAAAAAAAAAAAAAAAAAAAAAAAAAAAAAAAAAAAAAAAAAAAAAA/AAAAAAAAAKCGAQAAAAAAAAAAAAAAAAAMAAAAAQAAAAAAAAAAAAAAAAAAAB8AAABUAAAAAH8AAP///wEAAAAAAAAAAAAAAAAAAAAAAAAAAAAAAAAAAAAAAAAAAAB/AAB/f38A7uzhA8zMzADAwP8Af39/AAAAAAAAAAAAAAAAAAAAAAAAAAAAIQAAABgAAAAUAAAATSIAANcbAADaMQAA5yAAAAAgAAAmAAAACAAAAP//////////"/>
               </a:ext>
             </a:extLst>
           </p:cNvSpPr>
@@ -11498,7 +11472,7 @@
 </file>
 
 <file path=ppt/slides/slide31.xml><?xml version="1.0" encoding="utf-8"?>
-<p:sld xmlns:p="http://schemas.openxmlformats.org/presentationml/2006/main" xmlns:mc="http://schemas.openxmlformats.org/markup-compatibility/2006" xmlns:p14="http://schemas.microsoft.com/office/powerpoint/2010/main" xmlns:p15="http://schemas.microsoft.com/office/powerpoint/2012/main" xmlns:r="http://schemas.openxmlformats.org/officeDocument/2006/relationships" xmlns:a="http://schemas.openxmlformats.org/drawingml/2006/main" mc:Ignorable="p14" show="0">
+<p:sld xmlns:p="http://schemas.openxmlformats.org/presentationml/2006/main" xmlns:mc="http://schemas.openxmlformats.org/markup-compatibility/2006" xmlns:p14="http://schemas.microsoft.com/office/powerpoint/2010/main" xmlns:p15="http://schemas.microsoft.com/office/powerpoint/2012/main" xmlns:r="http://schemas.openxmlformats.org/officeDocument/2006/relationships" xmlns:a="http://schemas.openxmlformats.org/drawingml/2006/main" mc:Ignorable="p14">
   <p:cSld>
     <p:spTree>
       <p:nvGrpSpPr>
@@ -11516,12 +11490,12 @@
       </p:grpSpPr>
       <p:sp>
         <p:nvSpPr>
-          <p:cNvPr id="2" name="Titre 1"/>
+          <p:cNvPr id="2" name="TitreDiapositive1"/>
           <p:cNvSpPr>
             <a:spLocks noGrp="1" noChangeArrowheads="1"/>
             <a:extLst>
               <a:ext uri="smNativeData">
-                <pr:smNativeData xmlns:pr="smNativeData" xmlns="smNativeData" val="SMDATA_15_JtjWYhMAAAAlAAAAZAAAAA0AAAAAkAAAAEgAAACQAAAASAAAAAAAAAABAAAAAAAAAAEAAABQAAAAAAAAAAAA4D8AAAAAAADgPwAAAAAAAOA/AAAAAAAA4D8AAAAAAADgPwAAAAAAAOA/AAAAAAAA4D8AAAAAAADgPwAAAAAAAOA/AAAAAAAA4D8CAAAAjAAAAAAAAAAAAAAAT4G9DP///wgAAAAAAAAAAAAAAAAAAAAAAAAAAAAAAAAAAAAAZAAAAAEAAABAAAAAAAAAAAAAAAAAAAAAAAAAAAAAAAAAAAAAAAAAAAAAAAAAAAAAAAAAAAAAAAAAAAAAAAAAAAAAAAAAAAAAAAAAAAAAAAAAAAAAAAAAAAAAAAAAAAAAFAAAADwAAAAAAAAAAAAAAAAAAAkUAAAAAQAAABQAAAAUAAAAFAAAAAEAAAAAAAAAZAAAAGQAAAAAAAAAZAAAAGQAAAAVAAAAYAAAAAAAAAAAAAAADwAAACADAAAAAAAAAAAAAAEAAACgMgAAVgcAAKr4//8BAAAAf39/AAEAAABkAAAAAAAAABQAAABAHwAAAAAAACYAAAAAAAAAwOD//wAAAAAmAAAAZAAAABYAAABMAAAAAAAAAAAAAAAEAAAAAAAAAAEAAADu7OEKAAAAACgAAAAoAAAAZAAAAGQAAAAAAAAAzMzMAAAAAABQAAAAUAAAAGQAAABkAAAAAAAAABcAAAAUAAAAAAAAAAAAAAD/fwAA/38AAAAAAAAJAAAABAAAAAAAAAEeAAAAaAAAAAAAAAAAAAAAAAAAAAAAAAAAAAAAECcAABAnAAAAAAAAAAAAAAAAAAAAAAAAAAAAAAAAAAAAAAAAAAAAABQAAAAAAAAAwMD/AAAAAABkAAAAMgAAAAAAAABkAAAAAAAAAH9/fwAKAAAAIgAAABgAAAAAAAAAAAAAAAAAAAAAAAAAAAAAAAAAAAAkAAAAJAAAAAAAAAAHAAAAAAAAAAAAAAAAAAAAAAAAAAAAAAAAAAAAf39/ACUAAABYAAAAAAAAAAAAAAAAAAAAAAAAAAAAAAAAAAAAAAAAAAAAAAAAAAAAAAAAAAAAAAA/AAAAAAAAAKCGAQAAAAAAAAAAAAAAAAAMAAAAAQAAAAAAAAAAAAAAAAAAAB8AAABUAAAAT4G9Bf///wEAAAAAAAAAAAAAAAAAAAAAAAAAAAAAAAAAAAAAAAAAAAAAAAJ/f38A7uzhA8zMzADAwP8Af39/AAAAAAAAAAAAAAAAAAAAAAAAAAAAIQAAABgAAAAUAAAA0AIAALEBAABwNQAAuQgAABAAAAAmAAAACAAAAAAgAAAAAAAA"/>
+                <pr:smNativeData xmlns:pr="smNativeData" xmlns="smNativeData" val="SMDATA_15_iunWYhMAAAAlAAAAZAAAAA0AAAAAkAAAAEgAAACQAAAASAAAAAAAAAABAAAAAAAAAAEAAABQAAAAAAAAAAAA4D8AAAAAAADgPwAAAAAAAOA/AAAAAAAA4D8AAAAAAADgPwAAAAAAAOA/AAAAAAAA4D8AAAAAAADgPwAAAAAAAOA/AAAAAAAA4D8CAAAAjAAAAAAAAAAAAAAAT4G9DP///wgAAAAAAAAAAAAAAAAAAAAAAAAAAAAAAAAAAAAAZAAAAAEAAABAAAAAAAAAAAAAAAAAAAAAAAAAAAAAAAAAAAAAAAAAAAAAAAAAAAAAAAAAAAAAAAAAAAAAAAAAAAAAAAAAAAAAAAAAAAAAAAAAAAAAAAAAAAAAAAAAAAAAFAAAADwAAAAAAAAAAAAAAAAAAAkUAAAAAQAAABQAAAAUAAAAFAAAAAEAAAAAAAAAZAAAAGQAAAAAAAAAZAAAAGQAAAAVAAAAYAAAAAAAAAAAAAAADwAAACADAAAAAAAAAAAAAAEAAACgMgAAVgcAAKr4//8BAAAAf39/AAEAAABkAAAAAAAAABQAAABAHwAAAAAAACYAAAAAAAAAwOD//wAAAAAmAAAAZAAAABYAAABMAAAAAAAAAAAAAAAEAAAAAAAAAAEAAADu7OEKAAAAACgAAAAoAAAAZAAAAGQAAAAAAAAAzMzMAAAAAABQAAAAUAAAAGQAAABkAAAAAAAAABcAAAAUAAAAAAAAAAAAAAD/fwAA/38AAAAAAAAJAAAABAAAAAAEAAAeAAAAaAAAAAAAAAAAAAAAAAAAAAAAAAAAAAAAECcAABAnAAAAAAAAAAAAAAAAAAAAAAAAAAAAAAAAAAAAAAAAAAAAABQAAAAAAAAAwMD/AAAAAABkAAAAMgAAAAAAAABkAAAAAAAAAH9/fwAKAAAAIgAAABgAAAAAAAAAAAAAAAAAAAAAAAAAAAAAAAAAAAAkAAAAJAAAAAAAAAAHAAAAAAAAAAAAAAAAAAAAAAAAAAAAAAAAAAAAf39/ACUAAABYAAAAAAAAAAAAAAAAAAAAAAAAAAAAAAAAAAAAAAAAAAAAAAAAAAAAAAAAAAAAAAA/AAAAAAAAAKCGAQAAAAAAAAAAAAAAAAAMAAAAAQAAAAAAAAAAAAAAAAAAAB8AAABUAAAAT4G9Bf///wEAAAAAAAAAAAAAAAAAAAAAAAAAAAAAAAAAAAAAAAAAAAAAAAJ/f38A7uzhA8zMzADAwP8Af39/AAAAAAAAAAAAAAAAAAAAAAAAAAAAIQAAABgAAAAUAAAA0AIAALEBAABwNQAAuQgAAAAAAAAmAAAACAAAAAEAAAAAAAAA"/>
               </a:ext>
             </a:extLst>
           </p:cNvSpPr>
@@ -11529,35 +11503,33 @@
             <p:ph type="title"/>
           </p:nvPr>
         </p:nvSpPr>
-        <p:spPr/>
+        <p:spPr>
+          <a:xfrm>
+            <a:off x="457200" y="274955"/>
+            <a:ext cx="8229600" cy="1143000"/>
+          </a:xfrm>
+        </p:spPr>
         <p:txBody>
-          <a:bodyPr vert="horz" wrap="square" lIns="91440" tIns="45720" rIns="91440" bIns="45720" numCol="1" spcCol="215900" anchor="ctr">
-            <a:prstTxWarp prst="textNoShape">
-              <a:avLst/>
-            </a:prstTxWarp>
-          </a:bodyPr>
+          <a:bodyPr/>
           <a:lstStyle/>
           <a:p>
             <a:pPr>
-              <a:spcBef>
-                <a:spcPts val="0"/>
-              </a:spcBef>
-              <a:defRPr lang="fr-fr" sz="3960" cap="none"/>
-            </a:pPr>
-            <a:r>
-              <a:t>Example: toxoplasmosis in boars (from Guillaume Kon Kam King)</a:t>
+              <a:defRPr lang="fr-fr"/>
+            </a:pPr>
+            <a:r>
+              <a:t>Advice on organizing an analysis</a:t>
             </a:r>
           </a:p>
         </p:txBody>
       </p:sp>
       <p:sp>
         <p:nvSpPr>
-          <p:cNvPr id="3" name="Espace réservé du contenu 2"/>
+          <p:cNvPr id="3" name="TexteDiapositive1"/>
           <p:cNvSpPr>
             <a:spLocks noGrp="1" noChangeArrowheads="1"/>
             <a:extLst>
               <a:ext uri="smNativeData">
-                <pr:smNativeData xmlns:pr="smNativeData" xmlns="smNativeData" val="SMDATA_15_JtjWYhMAAAAlAAAAZAAAAA0AAAAAkAAAAEgAAACQAAAASAAAAAAAAAAAAAAAAAAAAAEAAABQAAAAAAAAAAAA4D8AAAAAAADgPwAAAAAAAOA/AAAAAAAA4D8AAAAAAADgPwAAAAAAAOA/AAAAAAAA4D8AAAAAAADgPwAAAAAAAOA/AAAAAAAA4D8CAAAAjAAAAAAAAAAAAAAAT4G9DP///wgAAAAAAAAAAAAAAAAAAAAAAAAAAAAAAAAAAAAAZAAAAAEAAABAAAAAAAAAAAAAAAAAAAAAAAAAAAAAAAAAAAAAAAAAAAAAAAAAAAAAAAAAAAAAAAAAAAAAAAAAAAAAAAAAAAAAAAAAAAAAAAAAAAAAAAAAAAAAAAAAAAAAFAAAADwAAAAAAAAAAAAAAAAAAAkUAAAAAQAAABQAAAAUAAAAFAAAAAEAAAAAAAAAZAAAAGQAAAAAAAAAZAAAAGQAAAAVAAAAYAAAAAAAAAAAAAAADwAAACADAAAAAAAAAAAAAAEAAACgMgAAVgcAAKr4//8BAAAAf39/AAEAAABkAAAAAAAAABQAAABAHwAAAAAAACYAAAAAAAAAwOD//wAAAAAmAAAAZAAAABYAAABMAAAAAAAAAAAAAAAEAAAAAAAAAAEAAADu7OEKAAAAACgAAAAoAAAAZAAAAGQAAAAAAAAAzMzMAAAAAABQAAAAUAAAAGQAAABkAAAAAAAAABcAAAAUAAAAAAAAAAAAAAD/fwAA/38AAAAAAAAJAAAABAAAAO7g5f8eAAAAaAAAAAAAAAAAAAAAAAAAAAAAAAAAAAAAECcAABAnAAAAAAAAAAAAAAAAAAAAAAAAAAAAAAAAAAAAAAAAAAAAABQAAAAAAAAAwMD/AAAAAABkAAAAMgAAAAAAAABkAAAAAAAAAH9/fwAKAAAAIgAAABgAAAAAAAAAAAAAAAAAAAAAAAAAAAAAAAAAAAAkAAAAJAAAAAAAAAAHAAAAAAAAAAAAAAAAAAAAAAAAAAAAAAAAAAAAf39/ACUAAABYAAAAAAAAAAAAAAAAAAAAAAAAAAAAAAAAAAAAAAAAAAAAAAAAAAAAAAAAAAAAAAA/AAAAAAAAAKCGAQAAAAAAAAAAAAAAAAAMAAAAAQAAAAAAAAAAAAAAAAAAAB8AAABUAAAAT4G9Bf///wEAAAAAAAAAAAAAAAAAAAAAAAAAAAAAAAAAAAAAAAAAAAAAAAJ/f38A7uzhA8zMzADAwP8Af39/AAAAAAAAAAAAAAAAAAAAAAAAAAAAIQAAABgAAAAUAAAA0AIAALkIAABwNQAAkCQAABAAAAAmAAAACAAAAAEAAAAAAAAA"/>
+                <pr:smNativeData xmlns:pr="smNativeData" xmlns="smNativeData" val="SMDATA_15_iunWYhMAAAAlAAAAZAAAAA0AAAAAkAAAAEgAAACQAAAASAAAAAAAAAAAAAAAAAAAAAEAAABQAAAAAAAAAAAA4D8AAAAAAADgPwAAAAAAAOA/AAAAAAAA4D8AAAAAAADgPwAAAAAAAOA/AAAAAAAA4D8AAAAAAADgPwAAAAAAAOA/AAAAAAAA4D8CAAAAjAAAAAAAAAAAAAAAT4G9DP///wgAAAAAAAAAAAAAAAAAAAAAAAAAAAAAAAAAAAAAZAAAAAEAAABAAAAAAAAAAAAAAAAAAAAAAAAAAAAAAAAAAAAAAAAAAAAAAAAAAAAAAAAAAAAAAAAAAAAAAAAAAAAAAAAAAAAAAAAAAAAAAAAAAAAAAAAAAAAAAAAAAAAAFAAAADwAAAAAAAAAAAAAAAAAAAkUAAAAAQAAABQAAAAUAAAAFAAAAAEAAAAAAAAAZAAAAGQAAAAAAAAAZAAAAGQAAAAVAAAAYAAAAAAAAAAAAAAADwAAACADAAAAAAAAAAAAAAEAAACgMgAAVgcAAKr4//8BAAAAf39/AAEAAABkAAAAAAAAABQAAABAHwAAAAAAACYAAAAAAAAAwOD//wAAAAAmAAAAZAAAABYAAABMAAAAAAAAAAAAAAAEAAAAAAAAAAEAAADu7OEKAAAAACgAAAAoAAAAZAAAAGQAAAAAAAAAzMzMAAAAAABQAAAAUAAAAGQAAABkAAAAAAAAABcAAAAUAAAAAAAAAAAAAAD/fwAA/38AAAAAAAAJAAAABAAAAICMyTEeAAAAaAAAAAAAAAAAAAAAAAAAAAAAAAAAAAAAECcAABAnAAAAAAAAAAAAAAAAAAAAAAAAAAAAAAAAAAAAAAAAAAAAABQAAAAAAAAAwMD/AAAAAABkAAAAMgAAAAAAAABkAAAAAAAAAH9/fwAKAAAAIgAAABgAAAAAAAAAAAAAAAAAAAAAAAAAAAAAAAAAAAAkAAAAJAAAAAAAAAAHAAAAAAAAAAAAAAAAAAAAAAAAAAAAAAAAAAAAf39/ACUAAABYAAAAAAAAAAAAAAAAAAAAAAAAAAAAAAAAAAAAAAAAAAAAAAAAAAAAAAAAAAAAAAA/AAAAAAAAAKCGAQAAAAAAAAAAAAAAAAAMAAAAAQAAAAAAAAAAAAAAAAAAAB8AAABUAAAAT4G9Bf///wEAAAAAAAAAAAAAAAAAAAAAAAAAAAAAAAAAAAAAAAAAAAAAAAJ/f38A7uzhA8zMzADAwP8Af39/AAAAAAAAAAAAAAAAAAAAAAAAAAAAIQAAABgAAAAUAAAA0AIAANgJAABwNQAAsCUAAAAAAAAmAAAACAAAAAEAAAAAAAAA"/>
               </a:ext>
             </a:extLst>
           </p:cNvSpPr>
@@ -11567,8 +11539,8 @@
         </p:nvSpPr>
         <p:spPr>
           <a:xfrm>
-            <a:off x="457200" y="1417955"/>
-            <a:ext cx="8229600" cy="4525645"/>
+            <a:off x="457200" y="1600200"/>
+            <a:ext cx="8229600" cy="4526280"/>
           </a:xfrm>
         </p:spPr>
         <p:txBody>
@@ -11579,227 +11551,129 @@
               <a:defRPr lang="fr-fr"/>
             </a:pPr>
             <a:r>
-              <a:t>We model toxoplasmosis in boars as follows:</a:t>
-            </a:r>
-          </a:p>
-        </p:txBody>
-      </p:sp>
-      <p:pic>
-        <p:nvPicPr>
-          <p:cNvPr id="4" name="Image 3"/>
-          <p:cNvPicPr>
-            <a:picLocks noChangeAspect="1"/>
-            <a:extLst>
-              <a:ext uri="smNativeData">
-                <pr:smNativeData xmlns:pr="smNativeData" xmlns="smNativeData" val="SMDATA_17_JtjWYhMAAAAlAAAAEQAAAC0AAAAAkAAAAEgAAACQAAAASAAAAAAAAAAAAAAAAAAAAAEAAABQAAAAAAAAAAAA4D8AAAAAAADgPwAAAAAAAOA/AAAAAAAA4D8AAAAAAADgPwAAAAAAAOA/AAAAAAAA4D8AAAAAAADgPwAAAAAAAOA/AAAAAAAA4D8CAAAAjAAAAAAAAAAAAAAAT4G9DP///wgAAAAAAAAAAAAAAAAAAAAAAAAAAAAAAAAAAAAAZAAAAAEAAABAAAAAAAAAAAAAAAAAAAAAAAAAAAAAAAAAAAAAAAAAAAAAAAAAAAAAAAAAAAAAAAAAAAAAAAAAAAAAAAAAAAAAAAAAAAAAAAAAAAAAAAAAAAAAAAAAAAAAFAAAADwAAAAAAAAAAAAAAAAAAAkUAAAAAQAAABQAAAAUAAAAFAAAAAEAAAAAAAAAZAAAAGQAAAAAAAAAZAAAAGQAAAAVAAAAYAAAAAAAAAAAAAAADwAAACADAAAAAAAAAAAAAAEAAACgMgAAVgcAAKr4//8BAAAAf39/AAEAAABkAAAAAAAAABQAAABAHwAAAAAAACYAAAAAAAAAwOD//wAAAAAmAAAAZAAAABYAAABMAAAAAAAAAAAAAAAEAAAAAAAAAAEAAADu7OEKAAAAACgAAAAoAAAAZAAAAGQAAAAAAAAAzMzMAAAAAABQAAAAUAAAAGQAAABkAAAAAAAAAAcAAAA4AAAAAAAAAAAAAAAAAAAA////AAAAAAAAAAAAAAAAALoFAAAAAAAAAAAAAAAAAABkAAAAZAAAAAAAAAAjAAAABAAAAGQAAAAXAAAAFAAAAAAAAAAAAAAA/38AAP9/AAAAAAAACQAAAAQAAAAAAAAAHgAAAGgAAAAAAAAAAAAAAAAAAAAAAAAAAAAAABAnAAAQJwAAAAAAAAAAAAAAAAAAAAAAAAAAAAAAAAAAAAAAAAAAAAAUAAAAAAAAAMDA/wAAAAAAZAAAADIAAAAAAAAAZAAAAAAAAAB/f38ACgAAACIAAAAYAAAAAAAAAAAAAAAAAAAAAAAAAAAAAAAAAAAAJAAAACQAAAAAAAAABwAAAAAAAAAAAAAAAAAAAAAAAAAAAAAAAAAAAH9/fwAlAAAAWAAAAAAAAAAAAAAAAAAAAAAAAAAAAAAAAAAAAAAAAAAAAAAAAAAAAAAAAAAAAAAAPwAAAAAAAACghgEAAAAAAAAAAAAAAAAADAAAAAEAAAAAAAAAAAAAAAAAAAAfAAAAVAAAAE+BvQX///8BAAAAAAAAAAAAAAAAAAAAAAAAAAAAAAAAAAAAAAAAAAAAAAACf39/AO7s4QPMzMwAwMD/AH9/fwAAAAAAAAAAAAAAAAD///8AAAAAACEAAAAYAAAAFAAAAEz////rDAAASDgAADAqAAAQAAAAJgAAAAgAAAD//////////w=="/>
-              </a:ext>
-            </a:extLst>
-          </p:cNvPicPr>
-          <p:nvPr/>
-        </p:nvPicPr>
-        <p:blipFill>
-          <a:blip r:embed="rId2"/>
-          <a:srcRect l="0" t="14660" r="0" b="0"/>
-          <a:stretch>
-            <a:fillRect/>
-          </a:stretch>
-        </p:blipFill>
-        <p:spPr>
-          <a:xfrm>
-            <a:off x="-114300" y="2099945"/>
-            <a:ext cx="9263380" cy="4758055"/>
-          </a:xfrm>
-          <a:prstGeom prst="rect">
-            <a:avLst/>
-          </a:prstGeom>
-          <a:noFill/>
-          <a:ln>
-            <a:noFill/>
-          </a:ln>
-          <a:effectLst/>
-        </p:spPr>
-      </p:pic>
-      <p:sp>
-        <p:nvSpPr>
-          <p:cNvPr id="5" name="ZoneTexte 4"/>
-          <p:cNvSpPr>
-            <a:extLst>
-              <a:ext uri="smNativeData">
-                <pr:smNativeData xmlns:pr="smNativeData" xmlns="smNativeData" val="SMDATA_15_JtjWYhMAAAAlAAAAZAAAAE0AAAAAkAAAAEgAAACQAAAASAAAAAAAAAAAAAAAAAAAAAEAAABQAAAAAAAAAAAA4D8AAAAAAADgPwAAAAAAAOA/AAAAAAAA4D8AAAAAAADgPwAAAAAAAOA/AAAAAAAA4D8AAAAAAADgPwAAAAAAAOA/AAAAAAAA4D8CAAAAjAAAAAEAAAAAAAAA////CP///wgAAAAAAAAAAAAAAAAAAAAAAAAAAAAAAAAAAAAAeAAAAAEAAABAAAAAAAAAAAAAAABaAAAAAAAAAAAAAAAAAAAAAAAAAAAAAAAAAAAAAAAAAAAAAAAAAAAAAAAAAAAAAAAAAAAAAAAAAAAAAAAAAAAAAAAAAAAAAAAAAAAAFAAAADwAAAAAAAAAAAAAAAAAAAAPAAAAAQAAACMAAAAjAAAAIwAAAB4AAAAAAAAAZAAAAGQAAAAAAAAAZAAAAGQAAAAVAAAAYAAAAAAAAAAAAAAADwAAACADAAAAAAAAAAAAAAEAAACgMgAAVgcAAKr4//8BAAAAf39/AAEAAABkAAAAAAAAABQAAABAHwAAAAAAACYAAAAAAAAAwOD//wAAAAAmAAAAZAAAABYAAABMAAAAAAAAAAAAAAAEAAAAAAAAAAEAAADu7OEKAAAAACgAAAAoAAAAZAAAAGQAAAAAAAAAzMzMAAAAAABQAAAAUAAAAGQAAABkAAAAAAAAABcAAAAUAAAAAAAAAAAAAAD/fwAA/38AAAAAAAAJAAAABAAAAC1BLXYeAAAAaAAAAAAAAAAAAAAAAAAAAAAAAAAAAAAAECcAABAnAAAAAAAAAAAAAAAAAAAAAAAAAAAAAAAAAAAAAAAAAAAAABQAAAAAAAAAwMD/AAAAAABkAAAAMgAAAAAAAABkAAAAAAAAAH9/fwAKAAAAIgAAABgAAAAAAAAAAAAAAAAAAAAAAAAAAAAAAAAAAAAkAAAAJAAAAAAAAAAHAAAAAAAAAAAAAAAAAAAAAAAAAAAAAAAAAAAAf39/ACUAAABYAAAAAAAAAAAAAAAAAAAAAAAAAAAAAAAAAAAAAAAAAAAAAAAAAAAAAAAAAAAAAAA/AAAAAAAAAKCGAQAAAAAAAAAAAAAAAAAMAAAAAQAAAAAAAAAAAAAAAAAAAB8AAABUAAAA////Af///wEAAAAAAAAAAAAAAAAAAAAAAAAAAAAAAAAAAAAAAAAAAAAAAAB/f38A7uzhA8zMzADAwP8Af39/AAAAAAAAAAAAAAAAAAAAAAAAAAAAIQAAABgAAAAUAAAAcBwAAIcMAABMIgAAXw8AABAgAAAmAAAACAAAAP//////////"/>
-              </a:ext>
-            </a:extLst>
-          </p:cNvSpPr>
-          <p:nvPr/>
-        </p:nvSpPr>
-        <p:spPr>
-          <a:xfrm>
-            <a:off x="4622800" y="2036445"/>
-            <a:ext cx="952500" cy="462280"/>
-          </a:xfrm>
-          <a:prstGeom prst="rect">
-            <a:avLst/>
-          </a:prstGeom>
-          <a:solidFill>
-            <a:schemeClr val="bg1"/>
-          </a:solidFill>
-          <a:ln>
-            <a:noFill/>
-          </a:ln>
-          <a:effectLst/>
-        </p:spPr>
-        <p:txBody>
-          <a:bodyPr vert="horz" wrap="square" lIns="91440" tIns="45720" rIns="91440" bIns="45720" numCol="1" spcCol="215900" anchor="t"/>
-          <a:lstStyle/>
-          <a:p>
-            <a:pPr>
-              <a:defRPr lang="fr-fr"/>
-            </a:pPr>
-            <a:r>
-              <a:rPr lang="fr-fr" sz="2400" cap="none"/>
-              <a:t>Age</a:t>
-            </a:r>
-            <a:endParaRPr lang="fr-fr" sz="2400" cap="none"/>
-          </a:p>
-        </p:txBody>
-      </p:sp>
-      <p:sp>
-        <p:nvSpPr>
-          <p:cNvPr id="6" name="ZoneTexte 5"/>
-          <p:cNvSpPr>
-            <a:extLst>
-              <a:ext uri="smNativeData">
-                <pr:smNativeData xmlns:pr="smNativeData" xmlns="smNativeData" val="SMDATA_15_JtjWYhMAAAAlAAAAZAAAAE0AAAAAkAAAAEgAAACQAAAASAAAAAAAAAAAAAAAAAAAAAEAAABQAAAAAAAAAAAA4D8AAAAAAADgPwAAAAAAAOA/AAAAAAAA4D8AAAAAAADgPwAAAAAAAOA/AAAAAAAA4D8AAAAAAADgPwAAAAAAAOA/AAAAAAAA4D8CAAAAjAAAAAEAAAAAAAAA////CP///wgAAAAAAAAAAAAAAAAAAAAAAAAAAAAAAAAAAAAAeAAAAAEAAABAAAAAAAAAAAAAAABaAAAAAAAAAAAAAAAAAAAAAAAAAAAAAAAAAAAAAAAAAAAAAAAAAAAAAAAAAAAAAAAAAAAAAAAAAAAAAAAAAAAAAAAAAAAAAAAAAAAAFAAAADwAAAAAAAAAAAAAAAAAAAAPAAAAAQAAACMAAAAjAAAAIwAAAB4AAAAAAAAAZAAAAGQAAAAAAAAAZAAAAGQAAAAVAAAAYAAAAAAAAAAAAAAADwAAACADAAAAAAAAAAAAAAEAAACgMgAAVgcAAKr4//8BAAAAf39/AAEAAABkAAAAAAAAABQAAABAHwAAAAAAACYAAAAAAAAAwOD//wAAAAAmAAAAZAAAABYAAABMAAAAAAAAAAAAAAAEAAAAAAAAAAEAAADu7OEKAAAAACgAAAAoAAAAZAAAAGQAAAAAAAAAzMzMAAAAAABQAAAAUAAAAGQAAABkAAAAAAAAABcAAAAUAAAAAAAAAAAAAAD/fwAA/38AAAAAAAAJAAAABAAAAAAAAAAeAAAAaAAAAAAAAAAAAAAAAAAAAAAAAAAAAAAAECcAABAnAAAAAAAAAAAAAAAAAAAAAAAAAAAAAAAAAAAAAAAAAAAAABQAAAAAAAAAwMD/AAAAAABkAAAAMgAAAAAAAABkAAAAAAAAAH9/fwAKAAAAIgAAABgAAAAAAAAAAAAAAAAAAAAAAAAAAAAAAAAAAAAkAAAAJAAAAAAAAAAHAAAAAAAAAAAAAAAAAAAAAAAAAAAAAAAAAAAAf39/ACUAAABYAAAAAAAAAAAAAAAAAAAAAAAAAAAAAAAAAAAAAAAAAAAAAAAAAAAAAAAAAAAAAAA/AAAAAAAAAKCGAQAAAAAAAAAAAAAAAAAMAAAAAQAAAAAAAAAAAAAAAAAAAB8AAABUAAAA////Af///wEAAAAAAAAAAAAAAAAAAAAAAAAAAAAAAAAAAAAAAAAAAAAAAAB/f38A7uzhA8zMzADAwP8Af39/AAAAAAAAAAAAAAAAAAAAAAAAAAAAIQAAABgAAAAUAAAATCIAAIcMAACkKQAAXw8AABAgAAAmAAAACAAAAP//////////"/>
-              </a:ext>
-            </a:extLst>
-          </p:cNvSpPr>
-          <p:nvPr/>
-        </p:nvSpPr>
-        <p:spPr>
-          <a:xfrm>
-            <a:off x="5575300" y="2036445"/>
-            <a:ext cx="1193800" cy="462280"/>
-          </a:xfrm>
-          <a:prstGeom prst="rect">
-            <a:avLst/>
-          </a:prstGeom>
-          <a:solidFill>
-            <a:schemeClr val="bg1"/>
-          </a:solidFill>
-          <a:ln>
-            <a:noFill/>
-          </a:ln>
-          <a:effectLst/>
-        </p:spPr>
-        <p:txBody>
-          <a:bodyPr vert="horz" wrap="square" lIns="91440" tIns="45720" rIns="91440" bIns="45720" numCol="1" spcCol="215900" anchor="t"/>
-          <a:lstStyle/>
-          <a:p>
-            <a:pPr>
-              <a:defRPr lang="fr-fr"/>
-            </a:pPr>
-            <a:r>
-              <a:rPr lang="fr-fr" sz="2400" cap="none"/>
-              <a:t>Infected</a:t>
-            </a:r>
-            <a:endParaRPr lang="fr-fr" sz="2400" cap="none"/>
-          </a:p>
-        </p:txBody>
-      </p:sp>
-      <p:sp>
-        <p:nvSpPr>
-          <p:cNvPr id="7" name="ZoneTexte 6"/>
-          <p:cNvSpPr>
-            <a:extLst>
-              <a:ext uri="smNativeData">
-                <pr:smNativeData xmlns:pr="smNativeData" xmlns="smNativeData" val="SMDATA_15_JtjWYhMAAAAlAAAAZAAAAE0AAAAAkAAAAEgAAACQAAAASAAAAAAAAAAAAAAAAAAAAAEAAABQAAAAAAAAAAAA4D8AAAAAAADgPwAAAAAAAOA/AAAAAAAA4D8AAAAAAADgPwAAAAAAAOA/AAAAAAAA4D8AAAAAAADgPwAAAAAAAOA/AAAAAAAA4D8CAAAAjAAAAAEAAAAAAAAA////CP///wgAAAAAAAAAAAAAAAAAAAAAAAAAAAAAAAAAAAAAeAAAAAEAAABAAAAAAAAAAAAAAABaAAAAAAAAAAAAAAAAAAAAAAAAAAAAAAAAAAAAAAAAAAAAAAAAAAAAAAAAAAAAAAAAAAAAAAAAAAAAAAAAAAAAAAAAAAAAAAAAAAAAFAAAADwAAAAAAAAAAAAAAAAAAAAPAAAAAQAAACMAAAAjAAAAIwAAAB4AAAAAAAAAZAAAAGQAAAAAAAAAZAAAAGQAAAAVAAAAYAAAAAAAAAAAAAAADwAAACADAAAAAAAAAAAAAAEAAACgMgAAVgcAAKr4//8BAAAAf39/AAEAAABkAAAAAAAAABQAAABAHwAAAAAAACYAAAAAAAAAwOD//wAAAAAmAAAAZAAAABYAAABMAAAAAAAAAAAAAAAEAAAAAAAAAAEAAADu7OEKAAAAACgAAAAoAAAAZAAAAGQAAAAAAAAAzMzMAAAAAABQAAAAUAAAAGQAAABkAAAAAAAAABcAAAAUAAAAAAAAAAAAAAD/fwAA/38AAAAAAAAJAAAABAAAAAAAAAAeAAAAaAAAAAAAAAAAAAAAAAAAAAAAAAAAAAAAECcAABAnAAAAAAAAAAAAAAAAAAAAAAAAAAAAAAAAAAAAAAAAAAAAABQAAAAAAAAAwMD/AAAAAABkAAAAMgAAAAAAAABkAAAAAAAAAH9/fwAKAAAAIgAAABgAAAAAAAAAAAAAAAAAAAAAAAAAAAAAAAAAAAAkAAAAJAAAAAAAAAAHAAAAAAAAAAAAAAAAAAAAAAAAAAAAAAAAAAAAf39/ACUAAABYAAAAAAAAAAAAAAAAAAAAAAAAAAAAAAAAAAAAAAAAAAAAAAAAAAAAAAAAAAAAAAA/AAAAAAAAAKCGAQAAAAAAAAAAAAAAAAAMAAAAAQAAAAAAAAAAAAAAAAAAAB8AAABUAAAA////Af///wEAAAAAAAAAAAAAAAAAAAAAAAAAAAAAAAAAAAAAAAAAAAAAAAB/f38A7uzhA8zMzADAwP8Af39/AAAAAAAAAAAAAAAAAAAAAAAAAAAAIQAAABgAAAAUAAAANCsAAIcMAAC0NwAAXw8AABAgAAAmAAAACAAAAP//////////"/>
-              </a:ext>
-            </a:extLst>
-          </p:cNvSpPr>
-          <p:nvPr/>
-        </p:nvSpPr>
-        <p:spPr>
-          <a:xfrm>
-            <a:off x="7023100" y="2036445"/>
-            <a:ext cx="2032000" cy="462280"/>
-          </a:xfrm>
-          <a:prstGeom prst="rect">
-            <a:avLst/>
-          </a:prstGeom>
-          <a:solidFill>
-            <a:schemeClr val="bg1"/>
-          </a:solidFill>
-          <a:ln>
-            <a:noFill/>
-          </a:ln>
-          <a:effectLst/>
-        </p:spPr>
-        <p:txBody>
-          <a:bodyPr vert="horz" wrap="square" lIns="91440" tIns="45720" rIns="91440" bIns="45720" numCol="1" spcCol="215900" anchor="t"/>
-          <a:lstStyle/>
-          <a:p>
-            <a:pPr>
-              <a:defRPr lang="fr-fr"/>
-            </a:pPr>
-            <a:r>
-              <a:rPr lang="fr-fr" sz="2400" cap="none"/>
-              <a:t>Total number</a:t>
-            </a:r>
-            <a:endParaRPr lang="fr-fr" sz="2400" cap="none"/>
-          </a:p>
-        </p:txBody>
-      </p:sp>
-      <p:sp>
-        <p:nvSpPr>
-          <p:cNvPr id="8" name="ZoneTexte 7"/>
-          <p:cNvSpPr>
-            <a:extLst>
-              <a:ext uri="smNativeData">
-                <pr:smNativeData xmlns:pr="smNativeData" xmlns="smNativeData" val="SMDATA_15_JtjWYhMAAAAlAAAAZAAAAE0AAAAAkAAAAEgAAACQAAAASAAAAAAAAAAAAAAAAAAAAAEAAABQAAAAAAAAAAAA4D8AAAAAAADgPwAAAAAAAOA/AAAAAAAA4D8AAAAAAADgPwAAAAAAAOA/AAAAAAAA4D8AAAAAAADgPwAAAAAAAOA/AAAAAAAA4D8CAAAAjAAAAAEAAAAAAAAA////CP///wgAAAAAAAAAAAAAAAAAAAAAAAAAAAAAAAAAAAAAeAAAAAEAAABAAAAAAAAAAAAAAABaAAAAAAAAAAAAAAAAAAAAAAAAAAAAAAAAAAAAAAAAAAAAAAAAAAAAAAAAAAAAAAAAAAAAAAAAAAAAAAAAAAAAAAAAAAAAAAAAAAAAFAAAADwAAAAAAAAAAAAAAAAAAAAPAAAAAQAAACMAAAAjAAAAIwAAAB4AAAAAAAAAZAAAAGQAAAAAAAAAZAAAAGQAAAAVAAAAYAAAAAAAAAAAAAAADwAAACADAAAAAAAAAAAAAAEAAACgMgAAVgcAAKr4//8BAAAAf39/AAEAAABkAAAAAAAAABQAAABAHwAAAAAAACYAAAAAAAAAwOD//wAAAAAmAAAAZAAAABYAAABMAAAAAAAAAAAAAAAEAAAAAAAAAAEAAADu7OEKAAAAACgAAAAoAAAAZAAAAGQAAAAAAAAAzMzMAAAAAABQAAAAUAAAAGQAAABkAAAAAAAAABcAAAAUAAAAAAAAAAAAAAD/fwAA/38AAAAAAAAJAAAABAAAAAm1/6geAAAAaAAAAAAAAAAAAAAAAAAAAAAAAAAAAAAAECcAABAnAAAAAAAAAAAAAAAAAAAAAAAAAAAAAAAAAAAAAAAAAAAAABQAAAAAAAAAwMD/AAAAAABkAAAAMgAAAAAAAABkAAAAAAAAAH9/fwAKAAAAIgAAABgAAAAAAAAAAAAAAAAAAAAAAAAAAAAAAAAAAAAkAAAAJAAAAAAAAAAHAAAAAAAAAAAAAAAAAAAAAAAAAAAAAAAAAAAAf39/ACUAAABYAAAAAAAAAAAAAAAAAAAAAAAAAAAAAAAAAAAAAAAAAAAAAAAAAAAAAAAAAAAAAAA/AAAAAAAAAKCGAQAAAAAAAAAAAAAAAAAMAAAAAQAAAAAAAAAAAAAAAAAAAB8AAABUAAAA////Af///wEAAAAAAAAAAAAAAAAAAAAAAAAAAAAAAAAAAAAAAAAAAAAAAAB/f38A7uzhA8zMzADAwP8Af39/AAAAAAAAAAAAAAAAAAAAAAAAAAAAIQAAABgAAAAUAAAA4AEAAFkYAACQGgAA8hsAABAgAAAmAAAACAAAAP//////////"/>
-              </a:ext>
-            </a:extLst>
-          </p:cNvSpPr>
-          <p:nvPr/>
-        </p:nvSpPr>
-        <p:spPr>
-          <a:xfrm>
-            <a:off x="304800" y="3957955"/>
-            <a:ext cx="4013200" cy="584835"/>
-          </a:xfrm>
-          <a:prstGeom prst="rect">
-            <a:avLst/>
-          </a:prstGeom>
-          <a:solidFill>
-            <a:schemeClr val="bg1"/>
-          </a:solidFill>
-          <a:ln>
-            <a:noFill/>
-          </a:ln>
-          <a:effectLst/>
-        </p:spPr>
-        <p:txBody>
-          <a:bodyPr vert="horz" wrap="square" lIns="91440" tIns="45720" rIns="91440" bIns="45720" numCol="1" spcCol="215900" anchor="t"/>
-          <a:lstStyle/>
-          <a:p>
-            <a:pPr>
-              <a:defRPr lang="fr-fr"/>
-            </a:pPr>
-            <a:r>
-              <a:rPr lang="fr-fr" sz="2400" cap="none"/>
-              <a:t>Infected ~ </a:t>
-            </a:r>
-            <a:r>
-              <a:rPr lang="fr-fr" sz="3200" cap="none">
-                <a:latin typeface="Baoli SC Regular" pitchFamily="0" charset="0"/>
+              <a:t>create a folder for the analysis</a:t>
+            </a:r>
+          </a:p>
+          <a:p>
+            <a:pPr>
+              <a:defRPr lang="fr-fr"/>
+            </a:pPr>
+            <a:r>
+              <a:t>put data in a folder « </a:t>
+            </a:r>
+            <a:r>
+              <a:rPr lang="fr-fr" cap="none">
+                <a:latin typeface="Courier 10 Pitch" pitchFamily="1" charset="0"/>
+                <a:ea typeface="Courier 10 Pitch" pitchFamily="1" charset="0"/>
+                <a:cs typeface="Courier 10 Pitch" pitchFamily="1" charset="0"/>
+              </a:rPr>
+              <a:t>data</a:t>
+            </a:r>
+            <a:r>
+              <a:t> »</a:t>
+            </a:r>
+          </a:p>
+          <a:p>
+            <a:pPr>
+              <a:defRPr lang="fr-fr"/>
+            </a:pPr>
+            <a:r>
+              <a:t>put the scripts in a folder « </a:t>
+            </a:r>
+            <a:r>
+              <a:rPr lang="fr-fr" cap="none">
+                <a:latin typeface="Courier 10 Pitch" pitchFamily="1" charset="0"/>
+                <a:ea typeface="Courier 10 Pitch" pitchFamily="1" charset="0"/>
+                <a:cs typeface="Courier 10 Pitch" pitchFamily="1" charset="0"/>
+              </a:rPr>
+              <a:t>scripts</a:t>
+            </a:r>
+            <a:r>
+              <a:t> »</a:t>
+            </a:r>
+          </a:p>
+          <a:p>
+            <a:pPr>
+              <a:defRPr lang="fr-fr"/>
+            </a:pPr>
+            <a:r>
+              <a:t>store the output files in « </a:t>
+            </a:r>
+            <a:r>
+              <a:rPr lang="fr-fr" cap="none">
+                <a:latin typeface="Courier 10 Pitch" pitchFamily="1" charset="0"/>
+                <a:ea typeface="Courier 10 Pitch" pitchFamily="1" charset="0"/>
+                <a:cs typeface="Courier 10 Pitch" pitchFamily="1" charset="0"/>
+              </a:rPr>
+              <a:t>analyses</a:t>
+            </a:r>
+            <a:r>
+              <a:t> » or « </a:t>
+            </a:r>
+            <a:r>
+              <a:rPr lang="fr-fr" cap="none">
+                <a:latin typeface="Courier 10 Pitch" pitchFamily="1" charset="0"/>
+                <a:ea typeface="Courier 10 Pitch" pitchFamily="1" charset="0"/>
+                <a:cs typeface="Courier 10 Pitch" pitchFamily="1" charset="0"/>
+              </a:rPr>
+              <a:t>output</a:t>
+            </a:r>
+            <a:r>
+              <a:t> »</a:t>
+            </a:r>
+          </a:p>
+          <a:p>
+            <a:pPr>
+              <a:defRPr lang="fr-fr"/>
+            </a:pPr>
+            <a:r>
+              <a:t>to run an analysis : </a:t>
+            </a:r>
+          </a:p>
+          <a:p>
+            <a:pPr marL="0" indent="0">
+              <a:buNone/>
+              <a:defRPr lang="fr-fr" cap="none">
+                <a:latin typeface="Courier 10 Pitch" pitchFamily="1" charset="0"/>
+                <a:ea typeface="Courier 10 Pitch" pitchFamily="1" charset="0"/>
+                <a:cs typeface="Courier 10 Pitch" pitchFamily="1" charset="0"/>
+              </a:defRPr>
+            </a:pPr>
+            <a:r>
+              <a:t>		rb scripts/myscript.rev</a:t>
+            </a:r>
+          </a:p>
+          <a:p>
+            <a:pPr>
+              <a:buFont typeface="Wingdings" pitchFamily="2" charset="2"/>
+              <a:buChar char=""/>
+              <a:defRPr lang="fr-fr" cap="none">
+                <a:latin typeface="Calibri" pitchFamily="2" charset="0"/>
                 <a:ea typeface="Calibri" pitchFamily="2" charset="0"/>
-                <a:cs typeface="Baoli SC Regular" pitchFamily="0" charset="0"/>
-              </a:rPr>
-              <a:t>B</a:t>
-            </a:r>
-            <a:r>
-              <a:rPr lang="fr-fr" sz="2400" cap="none"/>
-              <a:t>(Total number, i) </a:t>
-            </a:r>
-            <a:endParaRPr lang="fr-fr" sz="2400" cap="none"/>
+                <a:cs typeface="Calibri" pitchFamily="2" charset="0"/>
+              </a:defRPr>
+            </a:pPr>
+            <a:r>
+              <a:t>or, from within rb :</a:t>
+            </a:r>
+          </a:p>
+          <a:p>
+            <a:pPr marL="0" indent="0">
+              <a:buNone/>
+              <a:defRPr lang="fr-fr" cap="none">
+                <a:latin typeface="Courier 10 Pitch" pitchFamily="1" charset="0"/>
+                <a:ea typeface="Courier 10 Pitch" pitchFamily="1" charset="0"/>
+                <a:cs typeface="Courier 10 Pitch" pitchFamily="1" charset="0"/>
+              </a:defRPr>
+            </a:pPr>
+            <a:r>
+              <a:t>	source("scripts/myscript.rev")</a:t>
+            </a:r>
+          </a:p>
+          <a:p>
+            <a:pPr>
+              <a:defRPr lang="fr-fr"/>
+            </a:pPr>
           </a:p>
         </p:txBody>
       </p:sp>
@@ -11842,7 +11716,328 @@
             <a:spLocks noGrp="1" noChangeArrowheads="1"/>
             <a:extLst>
               <a:ext uri="smNativeData">
-                <pr:smNativeData xmlns:pr="smNativeData" xmlns="smNativeData" val="SMDATA_15_JtjWYhMAAAAlAAAAZAAAAA0AAAAAkAAAAEgAAACQAAAASAAAAAAAAAABAAAAAAAAAAEAAABQAAAAAAAAAAAA4D8AAAAAAADgPwAAAAAAAOA/AAAAAAAA4D8AAAAAAADgPwAAAAAAAOA/AAAAAAAA4D8AAAAAAADgPwAAAAAAAOA/AAAAAAAA4D8CAAAAjAAAAAAAAAAAAAAAT4G9DP///wgAAAAAAAAAAAAAAAAAAAAAAAAAAAAAAAAAAAAAZAAAAAEAAABAAAAAAAAAAAAAAAAAAAAAAAAAAAAAAAAAAAAAAAAAAAAAAAAAAAAAAAAAAAAAAAAAAAAAAAAAAAAAAAAAAAAAAAAAAAAAAAAAAAAAAAAAAAAAAAAAAAAAFAAAADwAAAAAAAAAAAAAAAAAAAkUAAAAAQAAABQAAAAUAAAAFAAAAAEAAAAAAAAAZAAAAGQAAAAAAAAAZAAAAGQAAAAVAAAAYAAAAAAAAAAAAAAADwAAACADAAAAAAAAAAAAAAEAAACgMgAAVgcAAKr4//8BAAAAf39/AAEAAABkAAAAAAAAABQAAABAHwAAAAAAACYAAAAAAAAAwOD//wAAAAAmAAAAZAAAABYAAABMAAAAAAAAAAAAAAAEAAAAAAAAAAEAAADu7OEKAAAAACgAAAAoAAAAZAAAAGQAAAAAAAAAzMzMAAAAAABQAAAAUAAAAGQAAABkAAAAAAAAABcAAAAUAAAAAAAAAAAAAAD/fwAA/38AAAAAAAAJAAAABAAAAAAAAAAeAAAAaAAAAAAAAAAAAAAAAAAAAAAAAAAAAAAAECcAABAnAAAAAAAAAAAAAAAAAAAAAAAAAAAAAAAAAAAAAAAAAAAAABQAAAAAAAAAwMD/AAAAAABkAAAAMgAAAAAAAABkAAAAAAAAAH9/fwAKAAAAIgAAABgAAAAAAAAAAAAAAAAAAAAAAAAAAAAAAAAAAAAkAAAAJAAAAAAAAAAHAAAAAAAAAAAAAAAAAAAAAAAAAAAAAAAAAAAAf39/ACUAAABYAAAAAAAAAAAAAAAAAAAAAAAAAAAAAAAAAAAAAAAAAAAAAAAAAAAAAAAAAAAAAAA/AAAAAAAAAKCGAQAAAAAAAAAAAAAAAAAMAAAAAQAAAAAAAAAAAAAAAAAAAB8AAABUAAAAT4G9Bf///wEAAAAAAAAAAAAAAAAAAAAAAAAAAAAAAAAAAAAAAAAAAAAAAAJ/f38A7uzhA8zMzADAwP8Af39/AAAAAAAAAAAAAAAAAAAAAAAAAAAAIQAAABgAAAAUAAAAAAAAAC3+//9AOAAANQUAABAAAAAmAAAACAAAAAEgAAAAAAAA"/>
+                <pr:smNativeData xmlns:pr="smNativeData" xmlns="smNativeData" val="SMDATA_15_iunWYhMAAAAlAAAAZAAAAA0AAAAAkAAAAEgAAACQAAAASAAAAAAAAAABAAAAAAAAAAEAAABQAAAAAAAAAAAA4D8AAAAAAADgPwAAAAAAAOA/AAAAAAAA4D8AAAAAAADgPwAAAAAAAOA/AAAAAAAA4D8AAAAAAADgPwAAAAAAAOA/AAAAAAAA4D8CAAAAjAAAAAAAAAAAAAAAT4G9DP///wgAAAAAAAAAAAAAAAAAAAAAAAAAAAAAAAAAAAAAZAAAAAEAAABAAAAAAAAAAAAAAAAAAAAAAAAAAAAAAAAAAAAAAAAAAAAAAAAAAAAAAAAAAAAAAAAAAAAAAAAAAAAAAAAAAAAAAAAAAAAAAAAAAAAAAAAAAAAAAAAAAAAAFAAAADwAAAAAAAAAAAAAAAAAAAkUAAAAAQAAABQAAAAUAAAAFAAAAAEAAAAAAAAAZAAAAGQAAAAAAAAAZAAAAGQAAAAVAAAAYAAAAAAAAAAAAAAADwAAACADAAAAAAAAAAAAAAEAAACgMgAAVgcAAKr4//8BAAAAf39/AAEAAABkAAAAAAAAABQAAABAHwAAAAAAACYAAAAAAAAAwOD//wAAAAAmAAAAZAAAABYAAABMAAAAAAAAAAAAAAAEAAAAAAAAAAEAAADu7OEKAAAAACgAAAAoAAAAZAAAAGQAAAAAAAAAzMzMAAAAAABQAAAAUAAAAGQAAABkAAAAAAAAABcAAAAUAAAAAAAAAAAAAAD/fwAA/38AAAAAAAAJAAAABAAAAAAAAAEeAAAAaAAAAAAAAAAAAAAAAAAAAAAAAAAAAAAAECcAABAnAAAAAAAAAAAAAAAAAAAAAAAAAAAAAAAAAAAAAAAAAAAAABQAAAAAAAAAwMD/AAAAAABkAAAAMgAAAAAAAABkAAAAAAAAAH9/fwAKAAAAIgAAABgAAAAAAAAAAAAAAAAAAAAAAAAAAAAAAAAAAAAkAAAAJAAAAAAAAAAHAAAAAAAAAAAAAAAAAAAAAAAAAAAAAAAAAAAAf39/ACUAAABYAAAAAAAAAAAAAAAAAAAAAAAAAAAAAAAAAAAAAAAAAAAAAAAAAAAAAAAAAAAAAAA/AAAAAAAAAKCGAQAAAAAAAAAAAAAAAAAMAAAAAQAAAAAAAAAAAAAAAAAAAB8AAABUAAAAT4G9Bf///wEAAAAAAAAAAAAAAAAAAAAAAAAAAAAAAAAAAAAAAAAAAAAAAAJ/f38A7uzhA8zMzADAwP8Af39/AAAAAAAAAAAAAAAAAAAAAAAAAAAAIQAAABgAAAAUAAAA0AIAALEBAABwNQAAuQgAABAAAAAmAAAACAAAAAAgAAAAAAAA"/>
+              </a:ext>
+            </a:extLst>
+          </p:cNvSpPr>
+          <p:nvPr>
+            <p:ph type="title"/>
+          </p:nvPr>
+        </p:nvSpPr>
+        <p:spPr/>
+        <p:txBody>
+          <a:bodyPr vert="horz" wrap="square" lIns="91440" tIns="45720" rIns="91440" bIns="45720" numCol="1" spcCol="215900" anchor="ctr">
+            <a:prstTxWarp prst="textNoShape">
+              <a:avLst/>
+            </a:prstTxWarp>
+          </a:bodyPr>
+          <a:lstStyle/>
+          <a:p>
+            <a:pPr>
+              <a:spcBef>
+                <a:spcPts val="0"/>
+              </a:spcBef>
+              <a:defRPr lang="fr-fr" sz="3960" cap="none"/>
+            </a:pPr>
+            <a:r>
+              <a:t>Example: toxoplasmosis in boars (from Guillaume Kon Kam King)</a:t>
+            </a:r>
+          </a:p>
+        </p:txBody>
+      </p:sp>
+      <p:sp>
+        <p:nvSpPr>
+          <p:cNvPr id="3" name="Espace réservé du contenu 2"/>
+          <p:cNvSpPr>
+            <a:spLocks noGrp="1" noChangeArrowheads="1"/>
+            <a:extLst>
+              <a:ext uri="smNativeData">
+                <pr:smNativeData xmlns:pr="smNativeData" xmlns="smNativeData" val="SMDATA_15_iunWYhMAAAAlAAAAZAAAAA0AAAAAkAAAAEgAAACQAAAASAAAAAAAAAAAAAAAAAAAAAEAAABQAAAAAAAAAAAA4D8AAAAAAADgPwAAAAAAAOA/AAAAAAAA4D8AAAAAAADgPwAAAAAAAOA/AAAAAAAA4D8AAAAAAADgPwAAAAAAAOA/AAAAAAAA4D8CAAAAjAAAAAAAAAAAAAAAT4G9DP///wgAAAAAAAAAAAAAAAAAAAAAAAAAAAAAAAAAAAAAZAAAAAEAAABAAAAAAAAAAAAAAAAAAAAAAAAAAAAAAAAAAAAAAAAAAAAAAAAAAAAAAAAAAAAAAAAAAAAAAAAAAAAAAAAAAAAAAAAAAAAAAAAAAAAAAAAAAAAAAAAAAAAAFAAAADwAAAAAAAAAAAAAAAAAAAkUAAAAAQAAABQAAAAUAAAAFAAAAAEAAAAAAAAAZAAAAGQAAAAAAAAAZAAAAGQAAAAVAAAAYAAAAAAAAAAAAAAADwAAACADAAAAAAAAAAAAAAEAAACgMgAAVgcAAKr4//8BAAAAf39/AAEAAABkAAAAAAAAABQAAABAHwAAAAAAACYAAAAAAAAAwOD//wAAAAAmAAAAZAAAABYAAABMAAAAAAAAAAAAAAAEAAAAAAAAAAEAAADu7OEKAAAAACgAAAAoAAAAZAAAAGQAAAAAAAAAzMzMAAAAAABQAAAAUAAAAGQAAABkAAAAAAAAABcAAAAUAAAAAAAAAAAAAAD/fwAA/38AAAAAAAAJAAAABAAAAO7g5f8eAAAAaAAAAAAAAAAAAAAAAAAAAAAAAAAAAAAAECcAABAnAAAAAAAAAAAAAAAAAAAAAAAAAAAAAAAAAAAAAAAAAAAAABQAAAAAAAAAwMD/AAAAAABkAAAAMgAAAAAAAABkAAAAAAAAAH9/fwAKAAAAIgAAABgAAAAAAAAAAAAAAAAAAAAAAAAAAAAAAAAAAAAkAAAAJAAAAAAAAAAHAAAAAAAAAAAAAAAAAAAAAAAAAAAAAAAAAAAAf39/ACUAAABYAAAAAAAAAAAAAAAAAAAAAAAAAAAAAAAAAAAAAAAAAAAAAAAAAAAAAAAAAAAAAAA/AAAAAAAAAKCGAQAAAAAAAAAAAAAAAAAMAAAAAQAAAAAAAAAAAAAAAAAAAB8AAABUAAAAT4G9Bf///wEAAAAAAAAAAAAAAAAAAAAAAAAAAAAAAAAAAAAAAAAAAAAAAAJ/f38A7uzhA8zMzADAwP8Af39/AAAAAAAAAAAAAAAAAAAAAAAAAAAAIQAAABgAAAAUAAAA0AIAALkIAABwNQAAkCQAABAAAAAmAAAACAAAAAEAAAAAAAAA"/>
+              </a:ext>
+            </a:extLst>
+          </p:cNvSpPr>
+          <p:nvPr>
+            <p:ph type="body" idx="1"/>
+          </p:nvPr>
+        </p:nvSpPr>
+        <p:spPr>
+          <a:xfrm>
+            <a:off x="457200" y="1417955"/>
+            <a:ext cx="8229600" cy="4525645"/>
+          </a:xfrm>
+        </p:spPr>
+        <p:txBody>
+          <a:bodyPr/>
+          <a:lstStyle/>
+          <a:p>
+            <a:pPr>
+              <a:defRPr lang="fr-fr"/>
+            </a:pPr>
+            <a:r>
+              <a:t>We model toxoplasmosis in boars as follows:</a:t>
+            </a:r>
+          </a:p>
+        </p:txBody>
+      </p:sp>
+      <p:pic>
+        <p:nvPicPr>
+          <p:cNvPr id="4" name="Image 3"/>
+          <p:cNvPicPr>
+            <a:picLocks noChangeAspect="1"/>
+            <a:extLst>
+              <a:ext uri="smNativeData">
+                <pr:smNativeData xmlns:pr="smNativeData" xmlns="smNativeData" val="SMDATA_17_iunWYhMAAAAlAAAAEQAAAC0AAAAAkAAAAEgAAACQAAAASAAAAAAAAAAAAAAAAAAAAAEAAABQAAAAAAAAAAAA4D8AAAAAAADgPwAAAAAAAOA/AAAAAAAA4D8AAAAAAADgPwAAAAAAAOA/AAAAAAAA4D8AAAAAAADgPwAAAAAAAOA/AAAAAAAA4D8CAAAAjAAAAAAAAAAAAAAAT4G9DP///wgAAAAAAAAAAAAAAAAAAAAAAAAAAAAAAAAAAAAAZAAAAAEAAABAAAAAAAAAAAAAAAAAAAAAAAAAAAAAAAAAAAAAAAAAAAAAAAAAAAAAAAAAAAAAAAAAAAAAAAAAAAAAAAAAAAAAAAAAAAAAAAAAAAAAAAAAAAAAAAAAAAAAFAAAADwAAAAAAAAAAAAAAAAAAAkUAAAAAQAAABQAAAAUAAAAFAAAAAEAAAAAAAAAZAAAAGQAAAAAAAAAZAAAAGQAAAAVAAAAYAAAAAAAAAAAAAAADwAAACADAAAAAAAAAAAAAAEAAACgMgAAVgcAAKr4//8BAAAAf39/AAEAAABkAAAAAAAAABQAAABAHwAAAAAAACYAAAAAAAAAwOD//wAAAAAmAAAAZAAAABYAAABMAAAAAAAAAAAAAAAEAAAAAAAAAAEAAADu7OEKAAAAACgAAAAoAAAAZAAAAGQAAAAAAAAAzMzMAAAAAABQAAAAUAAAAGQAAABkAAAAAAAAAAcAAAA4AAAAAAAAAAAAAAAAAAAA////AAAAAAAAAAAAAAAAALoFAAAAAAAAAAAAAAAAAABkAAAAZAAAAAAAAAAjAAAABAAAAGQAAAAXAAAAFAAAAAAAAAAAAAAA/38AAP9/AAAAAAAACQAAAAQAAAAAAAAAHgAAAGgAAAAAAAAAAAAAAAAAAAAAAAAAAAAAABAnAAAQJwAAAAAAAAAAAAAAAAAAAAAAAAAAAAAAAAAAAAAAAAAAAAAUAAAAAAAAAMDA/wAAAAAAZAAAADIAAAAAAAAAZAAAAAAAAAB/f38ACgAAACIAAAAYAAAAAAAAAAAAAAAAAAAAAAAAAAAAAAAAAAAAJAAAACQAAAAAAAAABwAAAAAAAAAAAAAAAAAAAAAAAAAAAAAAAAAAAH9/fwAlAAAAWAAAAAAAAAAAAAAAAAAAAAAAAAAAAAAAAAAAAAAAAAAAAAAAAAAAAAAAAAAAAAAAPwAAAAAAAACghgEAAAAAAAAAAAAAAAAADAAAAAEAAAAAAAAAAAAAAAAAAAAfAAAAVAAAAE+BvQX///8BAAAAAAAAAAAAAAAAAAAAAAAAAAAAAAAAAAAAAAAAAAAAAAACf39/AO7s4QPMzMwAwMD/AH9/fwAAAAAAAAAAAAAAAAD///8AAAAAACEAAAAYAAAAFAAAAEz////rDAAASDgAADAqAAAQAAAAJgAAAAgAAAD//////////w=="/>
+              </a:ext>
+            </a:extLst>
+          </p:cNvPicPr>
+          <p:nvPr/>
+        </p:nvPicPr>
+        <p:blipFill>
+          <a:blip r:embed="rId2"/>
+          <a:srcRect l="0" t="14660" r="0" b="0"/>
+          <a:stretch>
+            <a:fillRect/>
+          </a:stretch>
+        </p:blipFill>
+        <p:spPr>
+          <a:xfrm>
+            <a:off x="-114300" y="2099945"/>
+            <a:ext cx="9263380" cy="4758055"/>
+          </a:xfrm>
+          <a:prstGeom prst="rect">
+            <a:avLst/>
+          </a:prstGeom>
+          <a:noFill/>
+          <a:ln>
+            <a:noFill/>
+          </a:ln>
+          <a:effectLst/>
+        </p:spPr>
+      </p:pic>
+      <p:sp>
+        <p:nvSpPr>
+          <p:cNvPr id="5" name="ZoneTexte 4"/>
+          <p:cNvSpPr>
+            <a:extLst>
+              <a:ext uri="smNativeData">
+                <pr:smNativeData xmlns:pr="smNativeData" xmlns="smNativeData" val="SMDATA_15_iunWYhMAAAAlAAAAZAAAAE0AAAAAkAAAAEgAAACQAAAASAAAAAAAAAAAAAAAAAAAAAEAAABQAAAAAAAAAAAA4D8AAAAAAADgPwAAAAAAAOA/AAAAAAAA4D8AAAAAAADgPwAAAAAAAOA/AAAAAAAA4D8AAAAAAADgPwAAAAAAAOA/AAAAAAAA4D8CAAAAjAAAAAEAAAAAAAAA////CP///wgAAAAAAAAAAAAAAAAAAAAAAAAAAAAAAAAAAAAAeAAAAAEAAABAAAAAAAAAAAAAAABaAAAAAAAAAAAAAAAAAAAAAAAAAAAAAAAAAAAAAAAAAAAAAAAAAAAAAAAAAAAAAAAAAAAAAAAAAAAAAAAAAAAAAAAAAAAAAAAAAAAAFAAAADwAAAAAAAAAAAAAAAAAAAAPAAAAAQAAACMAAAAjAAAAIwAAAB4AAAAAAAAAZAAAAGQAAAAAAAAAZAAAAGQAAAAVAAAAYAAAAAAAAAAAAAAADwAAACADAAAAAAAAAAAAAAEAAACgMgAAVgcAAKr4//8BAAAAf39/AAEAAABkAAAAAAAAABQAAABAHwAAAAAAACYAAAAAAAAAwOD//wAAAAAmAAAAZAAAABYAAABMAAAAAAAAAAAAAAAEAAAAAAAAAAEAAADu7OEKAAAAACgAAAAoAAAAZAAAAGQAAAAAAAAAzMzMAAAAAABQAAAAUAAAAGQAAABkAAAAAAAAABcAAAAUAAAAAAAAAAAAAAD/fwAA/38AAAAAAAAJAAAABAAAAC1BLXYeAAAAaAAAAAAAAAAAAAAAAAAAAAAAAAAAAAAAECcAABAnAAAAAAAAAAAAAAAAAAAAAAAAAAAAAAAAAAAAAAAAAAAAABQAAAAAAAAAwMD/AAAAAABkAAAAMgAAAAAAAABkAAAAAAAAAH9/fwAKAAAAIgAAABgAAAAAAAAAAAAAAAAAAAAAAAAAAAAAAAAAAAAkAAAAJAAAAAAAAAAHAAAAAAAAAAAAAAAAAAAAAAAAAAAAAAAAAAAAf39/ACUAAABYAAAAAAAAAAAAAAAAAAAAAAAAAAAAAAAAAAAAAAAAAAAAAAAAAAAAAAAAAAAAAAA/AAAAAAAAAKCGAQAAAAAAAAAAAAAAAAAMAAAAAQAAAAAAAAAAAAAAAAAAAB8AAABUAAAA////Af///wEAAAAAAAAAAAAAAAAAAAAAAAAAAAAAAAAAAAAAAAAAAAAAAAB/f38A7uzhA8zMzADAwP8Af39/AAAAAAAAAAAAAAAAAAAAAAAAAAAAIQAAABgAAAAUAAAAcBwAAIcMAABMIgAAXw8AABAgAAAmAAAACAAAAP//////////"/>
+              </a:ext>
+            </a:extLst>
+          </p:cNvSpPr>
+          <p:nvPr/>
+        </p:nvSpPr>
+        <p:spPr>
+          <a:xfrm>
+            <a:off x="4622800" y="2036445"/>
+            <a:ext cx="952500" cy="462280"/>
+          </a:xfrm>
+          <a:prstGeom prst="rect">
+            <a:avLst/>
+          </a:prstGeom>
+          <a:solidFill>
+            <a:schemeClr val="bg1"/>
+          </a:solidFill>
+          <a:ln>
+            <a:noFill/>
+          </a:ln>
+          <a:effectLst/>
+        </p:spPr>
+        <p:txBody>
+          <a:bodyPr vert="horz" wrap="square" lIns="91440" tIns="45720" rIns="91440" bIns="45720" numCol="1" spcCol="215900" anchor="t"/>
+          <a:lstStyle/>
+          <a:p>
+            <a:pPr>
+              <a:defRPr lang="fr-fr"/>
+            </a:pPr>
+            <a:r>
+              <a:rPr lang="fr-fr" sz="2400" cap="none"/>
+              <a:t>Age</a:t>
+            </a:r>
+            <a:endParaRPr lang="fr-fr" sz="2400" cap="none"/>
+          </a:p>
+        </p:txBody>
+      </p:sp>
+      <p:sp>
+        <p:nvSpPr>
+          <p:cNvPr id="6" name="ZoneTexte 5"/>
+          <p:cNvSpPr>
+            <a:extLst>
+              <a:ext uri="smNativeData">
+                <pr:smNativeData xmlns:pr="smNativeData" xmlns="smNativeData" val="SMDATA_15_iunWYhMAAAAlAAAAZAAAAE0AAAAAkAAAAEgAAACQAAAASAAAAAAAAAAAAAAAAAAAAAEAAABQAAAAAAAAAAAA4D8AAAAAAADgPwAAAAAAAOA/AAAAAAAA4D8AAAAAAADgPwAAAAAAAOA/AAAAAAAA4D8AAAAAAADgPwAAAAAAAOA/AAAAAAAA4D8CAAAAjAAAAAEAAAAAAAAA////CP///wgAAAAAAAAAAAAAAAAAAAAAAAAAAAAAAAAAAAAAeAAAAAEAAABAAAAAAAAAAAAAAABaAAAAAAAAAAAAAAAAAAAAAAAAAAAAAAAAAAAAAAAAAAAAAAAAAAAAAAAAAAAAAAAAAAAAAAAAAAAAAAAAAAAAAAAAAAAAAAAAAAAAFAAAADwAAAAAAAAAAAAAAAAAAAAPAAAAAQAAACMAAAAjAAAAIwAAAB4AAAAAAAAAZAAAAGQAAAAAAAAAZAAAAGQAAAAVAAAAYAAAAAAAAAAAAAAADwAAACADAAAAAAAAAAAAAAEAAACgMgAAVgcAAKr4//8BAAAAf39/AAEAAABkAAAAAAAAABQAAABAHwAAAAAAACYAAAAAAAAAwOD//wAAAAAmAAAAZAAAABYAAABMAAAAAAAAAAAAAAAEAAAAAAAAAAEAAADu7OEKAAAAACgAAAAoAAAAZAAAAGQAAAAAAAAAzMzMAAAAAABQAAAAUAAAAGQAAABkAAAAAAAAABcAAAAUAAAAAAAAAAAAAAD/fwAA/38AAAAAAAAJAAAABAAAAAAAAAAeAAAAaAAAAAAAAAAAAAAAAAAAAAAAAAAAAAAAECcAABAnAAAAAAAAAAAAAAAAAAAAAAAAAAAAAAAAAAAAAAAAAAAAABQAAAAAAAAAwMD/AAAAAABkAAAAMgAAAAAAAABkAAAAAAAAAH9/fwAKAAAAIgAAABgAAAAAAAAAAAAAAAAAAAAAAAAAAAAAAAAAAAAkAAAAJAAAAAAAAAAHAAAAAAAAAAAAAAAAAAAAAAAAAAAAAAAAAAAAf39/ACUAAABYAAAAAAAAAAAAAAAAAAAAAAAAAAAAAAAAAAAAAAAAAAAAAAAAAAAAAAAAAAAAAAA/AAAAAAAAAKCGAQAAAAAAAAAAAAAAAAAMAAAAAQAAAAAAAAAAAAAAAAAAAB8AAABUAAAA////Af///wEAAAAAAAAAAAAAAAAAAAAAAAAAAAAAAAAAAAAAAAAAAAAAAAB/f38A7uzhA8zMzADAwP8Af39/AAAAAAAAAAAAAAAAAAAAAAAAAAAAIQAAABgAAAAUAAAATCIAAIcMAACkKQAAXw8AABAgAAAmAAAACAAAAP//////////"/>
+              </a:ext>
+            </a:extLst>
+          </p:cNvSpPr>
+          <p:nvPr/>
+        </p:nvSpPr>
+        <p:spPr>
+          <a:xfrm>
+            <a:off x="5575300" y="2036445"/>
+            <a:ext cx="1193800" cy="462280"/>
+          </a:xfrm>
+          <a:prstGeom prst="rect">
+            <a:avLst/>
+          </a:prstGeom>
+          <a:solidFill>
+            <a:schemeClr val="bg1"/>
+          </a:solidFill>
+          <a:ln>
+            <a:noFill/>
+          </a:ln>
+          <a:effectLst/>
+        </p:spPr>
+        <p:txBody>
+          <a:bodyPr vert="horz" wrap="square" lIns="91440" tIns="45720" rIns="91440" bIns="45720" numCol="1" spcCol="215900" anchor="t"/>
+          <a:lstStyle/>
+          <a:p>
+            <a:pPr>
+              <a:defRPr lang="fr-fr"/>
+            </a:pPr>
+            <a:r>
+              <a:rPr lang="fr-fr" sz="2400" cap="none"/>
+              <a:t>Infected</a:t>
+            </a:r>
+            <a:endParaRPr lang="fr-fr" sz="2400" cap="none"/>
+          </a:p>
+        </p:txBody>
+      </p:sp>
+      <p:sp>
+        <p:nvSpPr>
+          <p:cNvPr id="7" name="ZoneTexte 6"/>
+          <p:cNvSpPr>
+            <a:extLst>
+              <a:ext uri="smNativeData">
+                <pr:smNativeData xmlns:pr="smNativeData" xmlns="smNativeData" val="SMDATA_15_iunWYhMAAAAlAAAAZAAAAE0AAAAAkAAAAEgAAACQAAAASAAAAAAAAAAAAAAAAAAAAAEAAABQAAAAAAAAAAAA4D8AAAAAAADgPwAAAAAAAOA/AAAAAAAA4D8AAAAAAADgPwAAAAAAAOA/AAAAAAAA4D8AAAAAAADgPwAAAAAAAOA/AAAAAAAA4D8CAAAAjAAAAAEAAAAAAAAA////CP///wgAAAAAAAAAAAAAAAAAAAAAAAAAAAAAAAAAAAAAeAAAAAEAAABAAAAAAAAAAAAAAABaAAAAAAAAAAAAAAAAAAAAAAAAAAAAAAAAAAAAAAAAAAAAAAAAAAAAAAAAAAAAAAAAAAAAAAAAAAAAAAAAAAAAAAAAAAAAAAAAAAAAFAAAADwAAAAAAAAAAAAAAAAAAAAPAAAAAQAAACMAAAAjAAAAIwAAAB4AAAAAAAAAZAAAAGQAAAAAAAAAZAAAAGQAAAAVAAAAYAAAAAAAAAAAAAAADwAAACADAAAAAAAAAAAAAAEAAACgMgAAVgcAAKr4//8BAAAAf39/AAEAAABkAAAAAAAAABQAAABAHwAAAAAAACYAAAAAAAAAwOD//wAAAAAmAAAAZAAAABYAAABMAAAAAAAAAAAAAAAEAAAAAAAAAAEAAADu7OEKAAAAACgAAAAoAAAAZAAAAGQAAAAAAAAAzMzMAAAAAABQAAAAUAAAAGQAAABkAAAAAAAAABcAAAAUAAAAAAAAAAAAAAD/fwAA/38AAAAAAAAJAAAABAAAAAAAAAAeAAAAaAAAAAAAAAAAAAAAAAAAAAAAAAAAAAAAECcAABAnAAAAAAAAAAAAAAAAAAAAAAAAAAAAAAAAAAAAAAAAAAAAABQAAAAAAAAAwMD/AAAAAABkAAAAMgAAAAAAAABkAAAAAAAAAH9/fwAKAAAAIgAAABgAAAAAAAAAAAAAAAAAAAAAAAAAAAAAAAAAAAAkAAAAJAAAAAAAAAAHAAAAAAAAAAAAAAAAAAAAAAAAAAAAAAAAAAAAf39/ACUAAABYAAAAAAAAAAAAAAAAAAAAAAAAAAAAAAAAAAAAAAAAAAAAAAAAAAAAAAAAAAAAAAA/AAAAAAAAAKCGAQAAAAAAAAAAAAAAAAAMAAAAAQAAAAAAAAAAAAAAAAAAAB8AAABUAAAA////Af///wEAAAAAAAAAAAAAAAAAAAAAAAAAAAAAAAAAAAAAAAAAAAAAAAB/f38A7uzhA8zMzADAwP8Af39/AAAAAAAAAAAAAAAAAAAAAAAAAAAAIQAAABgAAAAUAAAANCsAAIcMAAC0NwAAXw8AABAgAAAmAAAACAAAAP//////////"/>
+              </a:ext>
+            </a:extLst>
+          </p:cNvSpPr>
+          <p:nvPr/>
+        </p:nvSpPr>
+        <p:spPr>
+          <a:xfrm>
+            <a:off x="7023100" y="2036445"/>
+            <a:ext cx="2032000" cy="462280"/>
+          </a:xfrm>
+          <a:prstGeom prst="rect">
+            <a:avLst/>
+          </a:prstGeom>
+          <a:solidFill>
+            <a:schemeClr val="bg1"/>
+          </a:solidFill>
+          <a:ln>
+            <a:noFill/>
+          </a:ln>
+          <a:effectLst/>
+        </p:spPr>
+        <p:txBody>
+          <a:bodyPr vert="horz" wrap="square" lIns="91440" tIns="45720" rIns="91440" bIns="45720" numCol="1" spcCol="215900" anchor="t"/>
+          <a:lstStyle/>
+          <a:p>
+            <a:pPr>
+              <a:defRPr lang="fr-fr"/>
+            </a:pPr>
+            <a:r>
+              <a:rPr lang="fr-fr" sz="2400" cap="none"/>
+              <a:t>Total number</a:t>
+            </a:r>
+            <a:endParaRPr lang="fr-fr" sz="2400" cap="none"/>
+          </a:p>
+        </p:txBody>
+      </p:sp>
+      <p:sp>
+        <p:nvSpPr>
+          <p:cNvPr id="8" name="ZoneTexte 7"/>
+          <p:cNvSpPr>
+            <a:extLst>
+              <a:ext uri="smNativeData">
+                <pr:smNativeData xmlns:pr="smNativeData" xmlns="smNativeData" val="SMDATA_15_iunWYhMAAAAlAAAAZAAAAE0AAAAAkAAAAEgAAACQAAAASAAAAAAAAAAAAAAAAAAAAAEAAABQAAAAAAAAAAAA4D8AAAAAAADgPwAAAAAAAOA/AAAAAAAA4D8AAAAAAADgPwAAAAAAAOA/AAAAAAAA4D8AAAAAAADgPwAAAAAAAOA/AAAAAAAA4D8CAAAAjAAAAAEAAAAAAAAA////CP///wgAAAAAAAAAAAAAAAAAAAAAAAAAAAAAAAAAAAAAeAAAAAEAAABAAAAAAAAAAAAAAABaAAAAAAAAAAAAAAAAAAAAAAAAAAAAAAAAAAAAAAAAAAAAAAAAAAAAAAAAAAAAAAAAAAAAAAAAAAAAAAAAAAAAAAAAAAAAAAAAAAAAFAAAADwAAAAAAAAAAAAAAAAAAAAPAAAAAQAAACMAAAAjAAAAIwAAAB4AAAAAAAAAZAAAAGQAAAAAAAAAZAAAAGQAAAAVAAAAYAAAAAAAAAAAAAAADwAAACADAAAAAAAAAAAAAAEAAACgMgAAVgcAAKr4//8BAAAAf39/AAEAAABkAAAAAAAAABQAAABAHwAAAAAAACYAAAAAAAAAwOD//wAAAAAmAAAAZAAAABYAAABMAAAAAAAAAAAAAAAEAAAAAAAAAAEAAADu7OEKAAAAACgAAAAoAAAAZAAAAGQAAAAAAAAAzMzMAAAAAABQAAAAUAAAAGQAAABkAAAAAAAAABcAAAAUAAAAAAAAAAAAAAD/fwAA/38AAAAAAAAJAAAABAAAAAm1/6geAAAAaAAAAAAAAAAAAAAAAAAAAAAAAAAAAAAAECcAABAnAAAAAAAAAAAAAAAAAAAAAAAAAAAAAAAAAAAAAAAAAAAAABQAAAAAAAAAwMD/AAAAAABkAAAAMgAAAAAAAABkAAAAAAAAAH9/fwAKAAAAIgAAABgAAAAAAAAAAAAAAAAAAAAAAAAAAAAAAAAAAAAkAAAAJAAAAAAAAAAHAAAAAAAAAAAAAAAAAAAAAAAAAAAAAAAAAAAAf39/ACUAAABYAAAAAAAAAAAAAAAAAAAAAAAAAAAAAAAAAAAAAAAAAAAAAAAAAAAAAAAAAAAAAAA/AAAAAAAAAKCGAQAAAAAAAAAAAAAAAAAMAAAAAQAAAAAAAAAAAAAAAAAAAB8AAABUAAAA////Af///wEAAAAAAAAAAAAAAAAAAAAAAAAAAAAAAAAAAAAAAAAAAAAAAAB/f38A7uzhA8zMzADAwP8Af39/AAAAAAAAAAAAAAAAAAAAAAAAAAAAIQAAABgAAAAUAAAA4AEAAFkYAACQGgAA8hsAABAgAAAmAAAACAAAAP//////////"/>
+              </a:ext>
+            </a:extLst>
+          </p:cNvSpPr>
+          <p:nvPr/>
+        </p:nvSpPr>
+        <p:spPr>
+          <a:xfrm>
+            <a:off x="304800" y="3957955"/>
+            <a:ext cx="4013200" cy="584835"/>
+          </a:xfrm>
+          <a:prstGeom prst="rect">
+            <a:avLst/>
+          </a:prstGeom>
+          <a:solidFill>
+            <a:schemeClr val="bg1"/>
+          </a:solidFill>
+          <a:ln>
+            <a:noFill/>
+          </a:ln>
+          <a:effectLst/>
+        </p:spPr>
+        <p:txBody>
+          <a:bodyPr vert="horz" wrap="square" lIns="91440" tIns="45720" rIns="91440" bIns="45720" numCol="1" spcCol="215900" anchor="t"/>
+          <a:lstStyle/>
+          <a:p>
+            <a:pPr>
+              <a:defRPr lang="fr-fr"/>
+            </a:pPr>
+            <a:r>
+              <a:rPr lang="fr-fr" sz="2400" cap="none"/>
+              <a:t>Infected ~ </a:t>
+            </a:r>
+            <a:r>
+              <a:rPr lang="fr-fr" sz="3200" cap="none">
+                <a:latin typeface="Baoli SC Regular" pitchFamily="0" charset="0"/>
+                <a:ea typeface="Calibri" pitchFamily="2" charset="0"/>
+                <a:cs typeface="Baoli SC Regular" pitchFamily="0" charset="0"/>
+              </a:rPr>
+              <a:t>B</a:t>
+            </a:r>
+            <a:r>
+              <a:rPr lang="fr-fr" sz="2400" cap="none"/>
+              <a:t>(Total number, i) </a:t>
+            </a:r>
+            <a:endParaRPr lang="fr-fr" sz="2400" cap="none"/>
+          </a:p>
+        </p:txBody>
+      </p:sp>
+    </p:spTree>
+  </p:cSld>
+  <p:clrMapOvr>
+    <a:masterClrMapping/>
+  </p:clrMapOvr>
+  <p:timing>
+    <p:tnLst>
+      <p:par>
+        <p:cTn id="1" dur="indefinite" restart="never" nodeType="tmRoot"/>
+      </p:par>
+    </p:tnLst>
+  </p:timing>
+</p:sld>
+</file>
+
+<file path=ppt/slides/slide33.xml><?xml version="1.0" encoding="utf-8"?>
+<p:sld xmlns:p="http://schemas.openxmlformats.org/presentationml/2006/main" xmlns:mc="http://schemas.openxmlformats.org/markup-compatibility/2006" xmlns:p14="http://schemas.microsoft.com/office/powerpoint/2010/main" xmlns:p15="http://schemas.microsoft.com/office/powerpoint/2012/main" xmlns:r="http://schemas.openxmlformats.org/officeDocument/2006/relationships" xmlns:a="http://schemas.openxmlformats.org/drawingml/2006/main" mc:Ignorable="p14" show="0">
+  <p:cSld>
+    <p:spTree>
+      <p:nvGrpSpPr>
+        <p:cNvPr id="1" name=""/>
+        <p:cNvGrpSpPr/>
+        <p:nvPr/>
+      </p:nvGrpSpPr>
+      <p:grpSpPr>
+        <a:xfrm>
+          <a:off x="0" y="0"/>
+          <a:ext cx="0" cy="0"/>
+          <a:chOff x="0" y="0"/>
+          <a:chExt cx="0" cy="0"/>
+        </a:xfrm>
+      </p:grpSpPr>
+      <p:sp>
+        <p:nvSpPr>
+          <p:cNvPr id="2" name="Titre 1"/>
+          <p:cNvSpPr>
+            <a:spLocks noGrp="1" noChangeArrowheads="1"/>
+            <a:extLst>
+              <a:ext uri="smNativeData">
+                <pr:smNativeData xmlns:pr="smNativeData" xmlns="smNativeData" val="SMDATA_15_iunWYhMAAAAlAAAAZAAAAA0AAAAAkAAAAEgAAACQAAAASAAAAAAAAAABAAAAAAAAAAEAAABQAAAAAAAAAAAA4D8AAAAAAADgPwAAAAAAAOA/AAAAAAAA4D8AAAAAAADgPwAAAAAAAOA/AAAAAAAA4D8AAAAAAADgPwAAAAAAAOA/AAAAAAAA4D8CAAAAjAAAAAAAAAAAAAAAT4G9DP///wgAAAAAAAAAAAAAAAAAAAAAAAAAAAAAAAAAAAAAZAAAAAEAAABAAAAAAAAAAAAAAAAAAAAAAAAAAAAAAAAAAAAAAAAAAAAAAAAAAAAAAAAAAAAAAAAAAAAAAAAAAAAAAAAAAAAAAAAAAAAAAAAAAAAAAAAAAAAAAAAAAAAAFAAAADwAAAAAAAAAAAAAAAAAAAkUAAAAAQAAABQAAAAUAAAAFAAAAAEAAAAAAAAAZAAAAGQAAAAAAAAAZAAAAGQAAAAVAAAAYAAAAAAAAAAAAAAADwAAACADAAAAAAAAAAAAAAEAAACgMgAAVgcAAKr4//8BAAAAf39/AAEAAABkAAAAAAAAABQAAABAHwAAAAAAACYAAAAAAAAAwOD//wAAAAAmAAAAZAAAABYAAABMAAAAAAAAAAAAAAAEAAAAAAAAAAEAAADu7OEKAAAAACgAAAAoAAAAZAAAAGQAAAAAAAAAzMzMAAAAAABQAAAAUAAAAGQAAABkAAAAAAAAABcAAAAUAAAAAAAAAAAAAAD/fwAA/38AAAAAAAAJAAAABAAAAAAAAAAeAAAAaAAAAAAAAAAAAAAAAAAAAAAAAAAAAAAAECcAABAnAAAAAAAAAAAAAAAAAAAAAAAAAAAAAAAAAAAAAAAAAAAAABQAAAAAAAAAwMD/AAAAAABkAAAAMgAAAAAAAABkAAAAAAAAAH9/fwAKAAAAIgAAABgAAAAAAAAAAAAAAAAAAAAAAAAAAAAAAAAAAAAkAAAAJAAAAAAAAAAHAAAAAAAAAAAAAAAAAAAAAAAAAAAAAAAAAAAAf39/ACUAAABYAAAAAAAAAAAAAAAAAAAAAAAAAAAAAAAAAAAAAAAAAAAAAAAAAAAAAAAAAAAAAAA/AAAAAAAAAKCGAQAAAAAAAAAAAAAAAAAMAAAAAQAAAAAAAAAAAAAAAAAAAB8AAABUAAAAT4G9Bf///wEAAAAAAAAAAAAAAAAAAAAAAAAAAAAAAAAAAAAAAAAAAAAAAAJ/f38A7uzhA8zMzADAwP8Af39/AAAAAAAAAAAAAAAAAAAAAAAAAAAAIQAAABgAAAAUAAAAAAAAAC3+//9AOAAANQUAABAAAAAmAAAACAAAAAEgAAAAAAAA"/>
               </a:ext>
             </a:extLst>
           </p:cNvSpPr>
@@ -11883,7 +12078,7 @@
             <a:spLocks noGrp="1" noChangeArrowheads="1"/>
             <a:extLst>
               <a:ext uri="smNativeData">
-                <pr:smNativeData xmlns:pr="smNativeData" xmlns="smNativeData" val="SMDATA_15_JtjWYhMAAAAlAAAAZAAAAA0AAAAAkAAAAEgAAACQAAAASAAAAAAAAAAAAAAAAAAAAAEAAABQAAAAAAAAAAAA4D8AAAAAAADgPwAAAAAAAOA/AAAAAAAA4D8AAAAAAADgPwAAAAAAAOA/AAAAAAAA4D8AAAAAAADgPwAAAAAAAOA/AAAAAAAA4D8CAAAAjAAAAAAAAAAAAAAAT4G9DP///wgAAAAAAAAAAAAAAAAAAAAAAAAAAAAAAAAAAAAAZAAAAAEAAABAAAAAAAAAAAAAAAAAAAAAAAAAAAAAAAAAAAAAAAAAAAAAAAAAAAAAAAAAAAAAAAAAAAAAAAAAAAAAAAAAAAAAAAAAAAAAAAAAAAAAAAAAAAAAAAAAAAAAFAAAADwAAAAAAAAAAAAAAAAAAAkUAAAAAQAAABQAAAAUAAAAFAAAAAEAAAAAAAAAZAAAAGQAAAAAAAAAZAAAAGQAAAAVAAAAYAAAAAAAAAAAAAAADwAAACADAAAAAAAAAAAAAAEAAACgMgAAVgcAAKr4//8BAAAAf39/AAEAAABkAAAAAAAAABQAAABAHwAAAAAAACYAAAAAAAAAwOD//wAAAAAmAAAAZAAAABYAAABMAAAAAAAAAAAAAAAEAAAAAAAAAAEAAADu7OEKAAAAACgAAAAoAAAAZAAAAGQAAAAAAAAAzMzMAAAAAABQAAAAUAAAAGQAAABkAAAAAAAAABcAAAAUAAAAAAAAAAAAAAD/fwAA/38AAAAAAAAJAAAABAAAAAZfBl4eAAAAaAAAAAAAAAAAAAAAAAAAAAAAAAAAAAAAECcAABAnAAAAAAAAAAAAAAAAAAAAAAAAAAAAAAAAAAAAAAAAAAAAABQAAAAAAAAAwMD/AAAAAABkAAAAMgAAAAAAAABkAAAAAAAAAH9/fwAKAAAAIgAAABgAAAAAAAAAAAAAAAAAAAAAAAAAAAAAAAAAAAAkAAAAJAAAAAAAAAAHAAAAAAAAAAAAAAAAAAAAAAAAAAAAAAAAAAAAf39/ACUAAABYAAAAAAAAAAAAAAAAAAAAAAAAAAAAAAAAAAAAAAAAAAAAAAAAAAAAAAAAAAAAAAA/AAAAAAAAAKCGAQAAAAAAAAAAAAAAAAAMAAAAAQAAAAAAAAAAAAAAAAAAAB8AAABUAAAAT4G9Bf///wEAAAAAAAAAAAAAAAAAAAAAAAAAAAAAAAAAAAAAAAAAAAAAAAJ/f38A7uzhA8zMzADAwP8Af39/AAAAAAAAAAAAAAAAAAAAAAAAAAAAIQAAABgAAAAUAAAAAAAAADUFAABAOAAApSYAABAAAAAmAAAACAAAAAEgAAAAAAAA"/>
+                <pr:smNativeData xmlns:pr="smNativeData" xmlns="smNativeData" val="SMDATA_15_iunWYhMAAAAlAAAAZAAAAA0AAAAAkAAAAEgAAACQAAAASAAAAAAAAAAAAAAAAAAAAAEAAABQAAAAAAAAAAAA4D8AAAAAAADgPwAAAAAAAOA/AAAAAAAA4D8AAAAAAADgPwAAAAAAAOA/AAAAAAAA4D8AAAAAAADgPwAAAAAAAOA/AAAAAAAA4D8CAAAAjAAAAAAAAAAAAAAAT4G9DP///wgAAAAAAAAAAAAAAAAAAAAAAAAAAAAAAAAAAAAAZAAAAAEAAABAAAAAAAAAAAAAAAAAAAAAAAAAAAAAAAAAAAAAAAAAAAAAAAAAAAAAAAAAAAAAAAAAAAAAAAAAAAAAAAAAAAAAAAAAAAAAAAAAAAAAAAAAAAAAAAAAAAAAFAAAADwAAAAAAAAAAAAAAAAAAAkUAAAAAQAAABQAAAAUAAAAFAAAAAEAAAAAAAAAZAAAAGQAAAAAAAAAZAAAAGQAAAAVAAAAYAAAAAAAAAAAAAAADwAAACADAAAAAAAAAAAAAAEAAACgMgAAVgcAAKr4//8BAAAAf39/AAEAAABkAAAAAAAAABQAAABAHwAAAAAAACYAAAAAAAAAwOD//wAAAAAmAAAAZAAAABYAAABMAAAAAAAAAAAAAAAEAAAAAAAAAAEAAADu7OEKAAAAACgAAAAoAAAAZAAAAGQAAAAAAAAAzMzMAAAAAABQAAAAUAAAAGQAAABkAAAAAAAAABcAAAAUAAAAAAAAAAAAAAD/fwAA/38AAAAAAAAJAAAABAAAAAZfBl4eAAAAaAAAAAAAAAAAAAAAAAAAAAAAAAAAAAAAECcAABAnAAAAAAAAAAAAAAAAAAAAAAAAAAAAAAAAAAAAAAAAAAAAABQAAAAAAAAAwMD/AAAAAABkAAAAMgAAAAAAAABkAAAAAAAAAH9/fwAKAAAAIgAAABgAAAAAAAAAAAAAAAAAAAAAAAAAAAAAAAAAAAAkAAAAJAAAAAAAAAAHAAAAAAAAAAAAAAAAAAAAAAAAAAAAAAAAAAAAf39/ACUAAABYAAAAAAAAAAAAAAAAAAAAAAAAAAAAAAAAAAAAAAAAAAAAAAAAAAAAAAAAAAAAAAA/AAAAAAAAAKCGAQAAAAAAAAAAAAAAAAAMAAAAAQAAAAAAAAAAAAAAAAAAAB8AAABUAAAAT4G9Bf///wEAAAAAAAAAAAAAAAAAAAAAAAAAAAAAAAAAAAAAAAAAAAAAAAJ/f38A7uzhA8zMzADAwP8Af39/AAAAAAAAAAAAAAAAAAAAAAAAAAAAIQAAABgAAAAUAAAAAAAAADUFAABAOAAApSYAABAAAAAmAAAACAAAAAEgAAAAAAAA"/>
               </a:ext>
             </a:extLst>
           </p:cNvSpPr>
@@ -12185,7 +12380,7 @@
           <p:cNvGrpSpPr>
             <a:extLst>
               <a:ext uri="smNativeData">
-                <pr:smNativeData xmlns:pr="smNativeData" xmlns="smNativeData" val="SMDATA_6_JtjWYhMAAAAlAAAAAQAAAA8BAAAAkAAAAEgAAACQAAAASAAAAAAAAAAAAAAAAAAAABcAAAAUAAAAAAAAAAAAAAD/fwAA/38AAAAAAAAJAAAABAAAAF0qAAAfAAAAVAAAAAAAAAAAAAAAAAAAAAAAAAAAAAAAAAAAAAAAAAAAAAAAAAAAAAAAAAAAAAAAAAAAAAAAAAAAAAAAAAAAAAAAAAAAAAAAAAAAAAAAAAAAAAAAAAAAACEAAAAYAAAAFAAAAEQRAACaFwAAXDMAALAkAAAQAAAAJgAAAAgAAAD/////AAAAAA=="/>
+                <pr:smNativeData xmlns:pr="smNativeData" xmlns="smNativeData" val="SMDATA_6_iunWYhMAAAAlAAAAAQAAAA8BAAAAkAAAAEgAAACQAAAASAAAAAAAAAAAAAAAAAAAABcAAAAUAAAAAAAAAAAAAAD/fwAA/38AAAAAAAAJAAAABAAAAF0qAAAfAAAAVAAAAAAAAAAAAAAAAAAAAAAAAAAAAAAAAAAAAAAAAAAAAAAAAAAAAAAAAAAAAAAAAAAAAAAAAAAAAAAAAAAAAAAAAAAAAAAAAAAAAAAAAAAAAAAAAAAAACEAAAAYAAAAFAAAAEQRAACaFwAAXDMAALAkAAAQAAAAJgAAAAgAAAD/////AAAAAA=="/>
               </a:ext>
             </a:extLst>
           </p:cNvGrpSpPr>
@@ -12205,7 +12400,7 @@
             <p:cNvGrpSpPr>
               <a:extLst>
                 <a:ext uri="smNativeData">
-                  <pr:smNativeData xmlns:pr="smNativeData" xmlns="smNativeData" val="SMDATA_6_JtjWYhMAAAAlAAAAAQAAAA8BAAAAkAAAAEgAAACQAAAASAAAAAAAAAAAAAAAAAAAABcAAAAUAAAAAAAAAAAAAAD/fwAA/38AAAAAAAAJAAAABAAAAEgBAAAfAAAAVAAAAAAAAAAAAAAAAAAAAAAAAAAAAAAAAAAAAAAAAAAAAAAAAAAAAAAAAAAAAAAAAAAAAAAAAAAAAAAAAAAAAAAAAAAAAAAAAAAAAAAAAAAAAAAAAAAAACEAAAAYAAAAFAAAAM8VAACaFwAAXDMAALAkAAAAAAAAJgAAAAgAAAD/////AAAAAA=="/>
+                  <pr:smNativeData xmlns:pr="smNativeData" xmlns="smNativeData" val="SMDATA_6_iunWYhMAAAAlAAAAAQAAAA8BAAAAkAAAAEgAAACQAAAASAAAAAAAAAAAAAAAAAAAABcAAAAUAAAAAAAAAAAAAAD/fwAA/38AAAAAAAAJAAAABAAAAEgBAAAfAAAAVAAAAAAAAAAAAAAAAAAAAAAAAAAAAAAAAAAAAAAAAAAAAAAAAAAAAAAAAAAAAAAAAAAAAAAAAAAAAAAAAAAAAAAAAAAAAAAAAAAAAAAAAAAAAAAAAAAAACEAAAAYAAAAFAAAAM8VAACaFwAAXDMAALAkAAAAAAAAJgAAAAgAAAD/////AAAAAA=="/>
                 </a:ext>
               </a:extLst>
             </p:cNvGrpSpPr>
@@ -12225,7 +12420,7 @@
               <p:cNvSpPr>
                 <a:extLst>
                   <a:ext uri="smNativeData">
-                    <pr:smNativeData xmlns:pr="smNativeData" xmlns="smNativeData" val="SMDATA_15_JtjWYhMAAAAlAAAAZAAAAE0AAAAAkAAAAEgAAACQAAAASAAAAAAAAAAAAAAAAAAAAAEAAABQAAAAAAAAAAAA4D8AAAAAAADgPwAAAAAAAOA/AAAAAAAA4D8AAAAAAADgPwAAAAAAAOA/AAAAAAAA4D8AAAAAAADgPwAAAAAAAOA/AAAAAAAA4D8CAAAAjAAAAAAAAAAAAAAAT4G9DP///wgAAAAAAAAAAAAAAAAAAAAAAAAAAAAAAAAAAAAAZAAAAAEAAABAAAAAAAAAAAAAAAAAAAAAAAAAAAAAAAAAAAAAAAAAAAAAAAAAAAAAAAAAAAAAAAAAAAAAAAAAAAAAAAAAAAAAAAAAAAAAAAAAAAAAAAAAAAAAAAAAAAAAFAAAADwAAAAAAAAAAAAAAAAAAAAPAAAAAQAAACMAAAAjAAAAIwAAAB4AAAAAAAAAZAAAAGQAAAAAAAAAZAAAAGQAAAAVAAAAYAAAAAAAAAAAAAAADwAAACADAAAAAAAAAAAAAAEAAACgMgAAVgcAAKr4//8BAAAAf39/AAEAAABkAAAAAAAAABQAAABAHwAAAAAAACYAAAAAAAAAwOD//wAAAAAmAAAAZAAAABYAAABMAAAAAAAAAAAAAAAEAAAAAAAAAAEAAADu7OEKAAAAACgAAAAoAAAAZAAAAGQAAAAAAAAAzMzMAAAAAABQAAAAUAAAAGQAAABkAAAAAAAAABcAAAAUAAAAAAAAAAAAAAD/fwAA/38AAAAAAAAJAAAABAAAAAAAAAAeAAAAaAAAAAAAAAAAAAAAAAAAAAAAAAAAAAAAECcAABAnAAAAAAAAAAAAAAAAAAAAAAAAAAAAAAAAAAAAAAAAAAAAABQAAAAAAAAAwMD/AAAAAABkAAAAMgAAAAAAAABkAAAAAAAAAH9/fwAKAAAAIgAAABgAAAAAAAAAAAAAAAAAAAAAAAAAAAAAAAAAAAAkAAAAJAAAAAAAAAAHAAAAAAAAAAAAAAAAAAAAAAAAAAAAAAAAAAAAf39/ACUAAABYAAAAAAAAAAAAAAAAAAAAAAAAAAAAAAAAAAAAAAAAAAAAAAAAAAAAAAAAAAAAAAA/AAAAAAAAAKCGAQAAAAAAAAAAAAAAAAAMAAAAAQAAAAAAAAAAAAAAAAAAAB8AAABUAAAAT4G9Bf///wEAAAAAAAAAAAAAAAAAAAAAAAAAAAAAAAAAAAAAAAAAAAAAAAB/f38A7uzhA8zMzADAwP8Af39/AAAAAAAAAAAAAAAAAAAAAAAAAAAAIQAAABgAAAAUAAAA1xcAAJoXAABcMwAA3xkAAAAgAAAmAAAACAAAAP//////////"/>
+                    <pr:smNativeData xmlns:pr="smNativeData" xmlns="smNativeData" val="SMDATA_15_iunWYhMAAAAlAAAAZAAAAE0AAAAAkAAAAEgAAACQAAAASAAAAAAAAAAAAAAAAAAAAAEAAABQAAAAAAAAAAAA4D8AAAAAAADgPwAAAAAAAOA/AAAAAAAA4D8AAAAAAADgPwAAAAAAAOA/AAAAAAAA4D8AAAAAAADgPwAAAAAAAOA/AAAAAAAA4D8CAAAAjAAAAAAAAAAAAAAAT4G9DP///wgAAAAAAAAAAAAAAAAAAAAAAAAAAAAAAAAAAAAAZAAAAAEAAABAAAAAAAAAAAAAAAAAAAAAAAAAAAAAAAAAAAAAAAAAAAAAAAAAAAAAAAAAAAAAAAAAAAAAAAAAAAAAAAAAAAAAAAAAAAAAAAAAAAAAAAAAAAAAAAAAAAAAFAAAADwAAAAAAAAAAAAAAAAAAAAPAAAAAQAAACMAAAAjAAAAIwAAAB4AAAAAAAAAZAAAAGQAAAAAAAAAZAAAAGQAAAAVAAAAYAAAAAAAAAAAAAAADwAAACADAAAAAAAAAAAAAAEAAACgMgAAVgcAAKr4//8BAAAAf39/AAEAAABkAAAAAAAAABQAAABAHwAAAAAAACYAAAAAAAAAwOD//wAAAAAmAAAAZAAAABYAAABMAAAAAAAAAAAAAAAEAAAAAAAAAAEAAADu7OEKAAAAACgAAAAoAAAAZAAAAGQAAAAAAAAAzMzMAAAAAABQAAAAUAAAAGQAAABkAAAAAAAAABcAAAAUAAAAAAAAAAAAAAD/fwAA/38AAAAAAAAJAAAABAAAAAAAAAAeAAAAaAAAAAAAAAAAAAAAAAAAAAAAAAAAAAAAECcAABAnAAAAAAAAAAAAAAAAAAAAAAAAAAAAAAAAAAAAAAAAAAAAABQAAAAAAAAAwMD/AAAAAABkAAAAMgAAAAAAAABkAAAAAAAAAH9/fwAKAAAAIgAAABgAAAAAAAAAAAAAAAAAAAAAAAAAAAAAAAAAAAAkAAAAJAAAAAAAAAAHAAAAAAAAAAAAAAAAAAAAAAAAAAAAAAAAAAAAf39/ACUAAABYAAAAAAAAAAAAAAAAAAAAAAAAAAAAAAAAAAAAAAAAAAAAAAAAAAAAAAAAAAAAAAA/AAAAAAAAAKCGAQAAAAAAAAAAAAAAAAAMAAAAAQAAAAAAAAAAAAAAAAAAAB8AAABUAAAAT4G9Bf///wEAAAAAAAAAAAAAAAAAAAAAAAAAAAAAAAAAAAAAAAAAAAAAAAB/f38A7uzhA8zMzADAwP8Af39/AAAAAAAAAAAAAAAAAAAAAAAAAAAAIQAAABgAAAAUAAAA1xcAAJoXAABcMwAA3xkAAAAgAAAmAAAACAAAAP//////////"/>
                   </a:ext>
                 </a:extLst>
               </p:cNvSpPr>
@@ -12274,7 +12469,7 @@
               <p:cNvSpPr>
                 <a:extLst>
                   <a:ext uri="smNativeData">
-                    <pr:smNativeData xmlns:pr="smNativeData" xmlns="smNativeData" val="SMDATA_15_JtjWYhMAAAAlAAAAZAAAAE0AAAAAkAAAAEgAAACQAAAASAAAAAAAAAAAAAAAAAAAAAEAAABQAAAAAAAAAAAA4D8AAAAAAADgPwAAAAAAAOA/AAAAAAAA4D8AAAAAAADgPwAAAAAAAOA/AAAAAAAA4D8AAAAAAADgPwAAAAAAAOA/AAAAAAAA4D8CAAAAjAAAAAAAAAAAAAAAT4G9DP///wgAAAAAAAAAAAAAAAAAAAAAAAAAAAAAAAAAAAAAZAAAAAEAAABAAAAAAAAAAAAAAAAAAAAAAAAAAAAAAAAAAAAAAAAAAAAAAAAAAAAAAAAAAAAAAAAAAAAAAAAAAAAAAAAAAAAAAAAAAAAAAAAAAAAAAAAAAAAAAAAAAAAAFAAAADwAAAAAAAAAAAAAAAAAAAAPAAAAAQAAACMAAAAjAAAAIwAAAB4AAAAAAAAAZAAAAGQAAAAAAAAAZAAAAGQAAAAVAAAAYAAAAAAAAAAAAAAADwAAACADAAAAAAAAAAAAAAEAAACgMgAAVgcAAKr4//8BAAAAf39/AAEAAABkAAAAAAAAABQAAABAHwAAAAAAACYAAAAAAAAAwOD//wAAAAAmAAAAZAAAABYAAABMAAAAAAAAAAAAAAAEAAAAAAAAAAEAAADu7OEKAAAAACgAAAAoAAAAZAAAAGQAAAAAAAAAzMzMAAAAAABQAAAAUAAAAGQAAABkAAAAAAAAABcAAAAUAAAAAAAAAAAAAAD/fwAA/38AAAAAAAAJAAAABAAAAAAAAAAeAAAAaAAAAAAAAAAAAAAAAAAAAAAAAAAAAAAAECcAABAnAAAAAAAAAAAAAAAAAAAAAAAAAAAAAAAAAAAAAAAAAAAAABQAAAAAAAAAwMD/AAAAAABkAAAAMgAAAAAAAABkAAAAAAAAAH9/fwAKAAAAIgAAABgAAAAAAAAAAAAAAAAAAAAAAAAAAAAAAAAAAAAkAAAAJAAAAAAAAAAHAAAAAAAAAAAAAAAAAAAAAAAAAAAAAAAAAAAAf39/ACUAAABYAAAAAAAAAAAAAAAAAAAAAAAAAAAAAAAAAAAAAAAAAAAAAAAAAAAAAAAAAAAAAAA/AAAAAAAAAKCGAQAAAAAAAAAAAAAAAAAMAAAAAQAAAAAAAAAAAAAAAAAAAB8AAABUAAAAT4G9Bf///wEAAAAAAAAAAAAAAAAAAAAAAAAAAAAAAAAAAAAAAAAAAAAAAAB/f38A7uzhA8zMzADAwP8Af39/AAAAAAAAAAAAAAAAAAAAAAAAAAAAIQAAABgAAAAUAAAAzxUAAGsiAACtJgAAsCQAAAAgAAAmAAAACAAAAP//////////"/>
+                    <pr:smNativeData xmlns:pr="smNativeData" xmlns="smNativeData" val="SMDATA_15_iunWYhMAAAAlAAAAZAAAAE0AAAAAkAAAAEgAAACQAAAASAAAAAAAAAAAAAAAAAAAAAEAAABQAAAAAAAAAAAA4D8AAAAAAADgPwAAAAAAAOA/AAAAAAAA4D8AAAAAAADgPwAAAAAAAOA/AAAAAAAA4D8AAAAAAADgPwAAAAAAAOA/AAAAAAAA4D8CAAAAjAAAAAAAAAAAAAAAT4G9DP///wgAAAAAAAAAAAAAAAAAAAAAAAAAAAAAAAAAAAAAZAAAAAEAAABAAAAAAAAAAAAAAAAAAAAAAAAAAAAAAAAAAAAAAAAAAAAAAAAAAAAAAAAAAAAAAAAAAAAAAAAAAAAAAAAAAAAAAAAAAAAAAAAAAAAAAAAAAAAAAAAAAAAAFAAAADwAAAAAAAAAAAAAAAAAAAAPAAAAAQAAACMAAAAjAAAAIwAAAB4AAAAAAAAAZAAAAGQAAAAAAAAAZAAAAGQAAAAVAAAAYAAAAAAAAAAAAAAADwAAACADAAAAAAAAAAAAAAEAAACgMgAAVgcAAKr4//8BAAAAf39/AAEAAABkAAAAAAAAABQAAABAHwAAAAAAACYAAAAAAAAAwOD//wAAAAAmAAAAZAAAABYAAABMAAAAAAAAAAAAAAAEAAAAAAAAAAEAAADu7OEKAAAAACgAAAAoAAAAZAAAAGQAAAAAAAAAzMzMAAAAAABQAAAAUAAAAGQAAABkAAAAAAAAABcAAAAUAAAAAAAAAAAAAAD/fwAA/38AAAAAAAAJAAAABAAAAAAAAAAeAAAAaAAAAAAAAAAAAAAAAAAAAAAAAAAAAAAAECcAABAnAAAAAAAAAAAAAAAAAAAAAAAAAAAAAAAAAAAAAAAAAAAAABQAAAAAAAAAwMD/AAAAAABkAAAAMgAAAAAAAABkAAAAAAAAAH9/fwAKAAAAIgAAABgAAAAAAAAAAAAAAAAAAAAAAAAAAAAAAAAAAAAkAAAAJAAAAAAAAAAHAAAAAAAAAAAAAAAAAAAAAAAAAAAAAAAAAAAAf39/ACUAAABYAAAAAAAAAAAAAAAAAAAAAAAAAAAAAAAAAAAAAAAAAAAAAAAAAAAAAAAAAAAAAAA/AAAAAAAAAKCGAQAAAAAAAAAAAAAAAAAMAAAAAQAAAAAAAAAAAAAAAAAAAB8AAABUAAAAT4G9Bf///wEAAAAAAAAAAAAAAAAAAAAAAAAAAAAAAAAAAAAAAAAAAAAAAAB/f38A7uzhA8zMzADAwP8Af39/AAAAAAAAAAAAAAAAAAAAAAAAAAAAIQAAABgAAAAUAAAAzxUAAGsiAACtJgAAsCQAAAAgAAAmAAAACAAAAP//////////"/>
                   </a:ext>
                 </a:extLst>
               </p:cNvSpPr>
@@ -12325,7 +12520,7 @@
               <a:stCxn id="9" idx="1"/>
               <a:extLst>
                 <a:ext uri="smNativeData">
-                  <pr:smNativeData xmlns:pr="smNativeData" xmlns="smNativeData" val="SMDATA_15_JtjWYhMAAAAlAAAADQAAAA0AAAAAkAAAAEgAAACQAAAASAAAAAAAAAAAAAAAAgAAAAEAAABQAAAAAAAAAAAA8L8AAAAAAAAAAAAAAAAAAPA/AAAAAAAA4D8AAAAAAADgPwAAAAAAAOA/AAAAAAAA4D8AAAAAAADgPwAAAAAAAOA/AAAAAAAA4D8CAAAAjAAAAAAAAAAAAAAA////AP///wgAAAAAAAAAAAAAAAAAAAAAAAAAAAAAAAAAAAAAeAAAAAEAAABAAAAAAAAAAAAAAABaAAAAAAAAAAAAAAAAAAAAAAAAAAAAAAAAAAAAAAAAAAAAAAAAAAAAAAAAAAAAAAAAAAAAAAAAAAAAAAAAAAAAAAAAAAAAAAAAAAAAFAAAADwAAAABAAAAAAAAAMBQTQ0oAAAAAQAAABQAAAAUAAAAFAAAAAEAAAAAAAAAZAAAAGQAAAADAAAAZAAAAGQAAAAVAAAAYAAAAAAAAAAAAAAAAAAAAAAAAAAAAAAAAAAAAAAAAAAAAAAAAAAAAAAAAAAAAAAAAAAACQAAAAAAAAAAAAAAAAAAAAAAAAAAAAAAAAAAAAAAAAAAAAAAAAAAAAAAAAAAAAAAABYAAABMAAAAAQAAAAAAAAACAAAAAAAAAAEAAAAAAAAJPgAAAAAAAAAfAAAAZAAAAGQAAAAAAAAAAAAAAAAAAAAAAAAAAAAAAAAAAAAAAAAAAAAAABcAAAAUAAAAAAAAAAAAAAD/fwAA/38AAAAAAAAJAAAABAAAAAAAAAAeAAAAaAAAAAAAAAAAAAAAAAAAAAAAAAAAAAAAECcAABAnAAAAAAAAAAAAAAAAAAAAAAAAAAAAAAAAAAAAAAAAAAAAAD8AAAAAAAAAwMD/AAAAAABkAAAAMgAAAAAAAABkAAAAAAAAAH9/fwAKAAAAIgAAABgAAAAAAAAAAAAAAAAAAAAAAAAAAAAAAAAAAAAkAAAAJAAAAAAAAAAHAAAAAAAAAAAAAAAAAAAAAAAAAAAAAAAAAAAAf39/ACUAAABYAAAAAAAAAAAAAAAAAAAAAAAAAAAAAAAAAAAAAAAAAAAAAAAAAAAAAAAAAAAAAAA/AAAAAAAAAKCGAQAAAAAAAAAAAAAAAAAMAAAAAQAAAAAAAAAAAAAAAAAAAB8AAABUAAAA////AP///wEAAAAAAAAAAAAAAAAAAAAAAAAAAAAAAAAAAAAAAAAAAMBQTQYAAAACAAAAAgAAAADAwP8Af39/AAAAAAAAAAAAAAAAAAAAAAAAAAAAIQAAABgAAAAUAAAARBEAAL0YAADXFwAAzBwAAAAAAAAmAAAACAAAAP//////////"/>
+                  <pr:smNativeData xmlns:pr="smNativeData" xmlns="smNativeData" val="SMDATA_15_iunWYhMAAAAlAAAADQAAAA0AAAAAkAAAAEgAAACQAAAASAAAAAAAAAAAAAAAAgAAAAEAAABQAAAAAAAAAAAA8L8AAAAAAAAAAAAAAAAAAPA/AAAAAAAA4D8AAAAAAADgPwAAAAAAAOA/AAAAAAAA4D8AAAAAAADgPwAAAAAAAOA/AAAAAAAA4D8CAAAAjAAAAAAAAAAAAAAA////AP///wgAAAAAAAAAAAAAAAAAAAAAAAAAAAAAAAAAAAAAeAAAAAEAAABAAAAAAAAAAAAAAABaAAAAAAAAAAAAAAAAAAAAAAAAAAAAAAAAAAAAAAAAAAAAAAAAAAAAAAAAAAAAAAAAAAAAAAAAAAAAAAAAAAAAAAAAAAAAAAAAAAAAFAAAADwAAAABAAAAAAAAAMBQTQ0oAAAAAQAAABQAAAAUAAAAFAAAAAEAAAAAAAAAZAAAAGQAAAADAAAAZAAAAGQAAAAVAAAAYAAAAAAAAAAAAAAAAAAAAAAAAAAAAAAAAAAAAAAAAAAAAAAAAAAAAAAAAAAAAAAAAAAACQAAAAAAAAAAAAAAAAAAAAAAAAAAAAAAAAAAAAAAAAAAAAAAAAAAAAAAAAAAAAAAABYAAABMAAAAAQAAAAAAAAACAAAAAAAAAAEAAAAAAAAJPgAAAAAAAAAfAAAAZAAAAGQAAAAAAAAAAAAAAAAAAAAAAAAAAAAAAAAAAAAAAAAAAAAAABcAAAAUAAAAAAAAAAAAAAD/fwAA/38AAAAAAAAJAAAABAAAAAAAAAAeAAAAaAAAAAAAAAAAAAAAAAAAAAAAAAAAAAAAECcAABAnAAAAAAAAAAAAAAAAAAAAAAAAAAAAAAAAAAAAAAAAAAAAAD8AAAAAAAAAwMD/AAAAAABkAAAAMgAAAAAAAABkAAAAAAAAAH9/fwAKAAAAIgAAABgAAAAAAAAAAAAAAAAAAAAAAAAAAAAAAAAAAAAkAAAAJAAAAAAAAAAHAAAAAAAAAAAAAAAAAAAAAAAAAAAAAAAAAAAAf39/ACUAAABYAAAAAAAAAAAAAAAAAAAAAAAAAAAAAAAAAAAAAAAAAAAAAAAAAAAAAAAAAAAAAAA/AAAAAAAAAKCGAQAAAAAAAAAAAAAAAAAMAAAAAQAAAAAAAAAAAAAAAAAAAB8AAABUAAAA////AP///wEAAAAAAAAAAAAAAAAAAAAAAAAAAAAAAAAAAAAAAAAAAMBQTQYAAAACAAAAAgAAAADAwP8Af39/AAAAAAAAAAAAAAAAAAAAAAAAAAAAIQAAABgAAAAUAAAARBEAAL0YAADXFwAAzBwAAAAAAAAmAAAACAAAAP//////////"/>
                 </a:ext>
               </a:extLst>
             </p:cNvCxnSpPr>
@@ -12363,7 +12558,7 @@
             <p:cNvCxnSpPr>
               <a:extLst>
                 <a:ext uri="smNativeData">
-                  <pr:smNativeData xmlns:pr="smNativeData" xmlns="smNativeData" val="SMDATA_15_JtjWYhMAAAAlAAAADQAAAA0AAAAAkAAAAEgAAACQAAAASAAAAAAAAAAAAAAAAAAAAAEAAABQAAAAAAAAAAAA8L8AAAAAAAAAAAAAAAAAAPA/AAAAAAAA4D8AAAAAAADgPwAAAAAAAOA/AAAAAAAA4D8AAAAAAADgPwAAAAAAAOA/AAAAAAAA4D8CAAAAjAAAAAAAAAAAAAAA////AP///wgAAAAAAAAAAAAAAAAAAAAAAAAAAAAAAAAAAAAAeAAAAAEAAABAAAAAAAAAAAAAAABaAAAAAAAAAAAAAAAAAAAAAAAAAAAAAAAAAAAAAAAAAAAAAAAAAAAAAAAAAAAAAAAAAAAAAAAAAAAAAAAAAAAAAAAAAAAAAAAAAAAAFAAAADwAAAABAAAAAAAAAMBQTQ0oAAAAAQAAABQAAAAUAAAAFAAAAAEAAAAAAAAAZAAAAGQAAAADAAAAZAAAAGQAAAAVAAAAYAAAAAAAAAAAAAAAAAAAAAAAAAAAAAAAAAAAAAAAAAAAAAAAAAAAAAAAAAAAAAAAAAAACQAAAAAAAAAAAAAAAAAAAAAAAAAAAAAAAAAAAAAAAAAAAAAAAAAAAAAAAAAAAAAAABYAAABMAAAAAQAAAAAAAAACAAAAAAAAAAEAAAAAAAAJPgAAAAAAAAAfAAAAZAAAAGQAAAAAAAAAAAAAAAAAAAAAAAAAAAAAAAAAAAAAAAAAAAAAABcAAAAUAAAAAAAAAAAAAAD/fwAA/38AAAAAAAAJAAAABAAAAAAAAAAeAAAAaAAAAAAAAAAAAAAAAAAAAAAAAAAAAAAAECcAABAnAAAAAAAAAAAAAAAAAAAAAAAAAAAAAAAAAAAAAAAAAAAAAD8AAAAAAAAAwMD/AAAAAABkAAAAMgAAAAAAAABkAAAAAAAAAH9/fwAKAAAAIgAAABgAAAAAAAAAAAAAAAAAAAAAAAAAAAAAAAAAAAAkAAAAJAAAAAAAAAAHAAAAAAAAAAAAAAAAAAAAAAAAAAAAAAAAAAAAf39/ACUAAABYAAAAAAAAAAAAAAAAAAAAAAAAAAAAAAAAAAAAAAAAAAAAAAAAAAAAAAAAAAAAAAA/AAAAAAAAAKCGAQAAAAAAAAAAAAAAAAAMAAAAAQAAAAAAAAAAAAAAAAAAAB8AAABUAAAA////AP///wEAAAAAAAAAAAAAAAAAAAAAAAAAAAAAAAAAAAAAAAAAAMBQTQYAAAACAAAAAgAAAADAwP8Af39/AAAAAAAAAAAAAAAAAAAAAAAAAAAAIQAAABgAAAAUAAAA9xQAAJQgAADXFwAAayIAAAAAAAAmAAAACAAAAP//////////"/>
+                  <pr:smNativeData xmlns:pr="smNativeData" xmlns="smNativeData" val="SMDATA_15_iunWYhMAAAAlAAAADQAAAA0AAAAAkAAAAEgAAACQAAAASAAAAAAAAAAAAAAAAAAAAAEAAABQAAAAAAAAAAAA8L8AAAAAAAAAAAAAAAAAAPA/AAAAAAAA4D8AAAAAAADgPwAAAAAAAOA/AAAAAAAA4D8AAAAAAADgPwAAAAAAAOA/AAAAAAAA4D8CAAAAjAAAAAAAAAAAAAAA////AP///wgAAAAAAAAAAAAAAAAAAAAAAAAAAAAAAAAAAAAAeAAAAAEAAABAAAAAAAAAAAAAAABaAAAAAAAAAAAAAAAAAAAAAAAAAAAAAAAAAAAAAAAAAAAAAAAAAAAAAAAAAAAAAAAAAAAAAAAAAAAAAAAAAAAAAAAAAAAAAAAAAAAAFAAAADwAAAABAAAAAAAAAMBQTQ0oAAAAAQAAABQAAAAUAAAAFAAAAAEAAAAAAAAAZAAAAGQAAAADAAAAZAAAAGQAAAAVAAAAYAAAAAAAAAAAAAAAAAAAAAAAAAAAAAAAAAAAAAAAAAAAAAAAAAAAAAAAAAAAAAAAAAAACQAAAAAAAAAAAAAAAAAAAAAAAAAAAAAAAAAAAAAAAAAAAAAAAAAAAAAAAAAAAAAAABYAAABMAAAAAQAAAAAAAAACAAAAAAAAAAEAAAAAAAAJPgAAAAAAAAAfAAAAZAAAAGQAAAAAAAAAAAAAAAAAAAAAAAAAAAAAAAAAAAAAAAAAAAAAABcAAAAUAAAAAAAAAAAAAAD/fwAA/38AAAAAAAAJAAAABAAAAAAAAAAeAAAAaAAAAAAAAAAAAAAAAAAAAAAAAAAAAAAAECcAABAnAAAAAAAAAAAAAAAAAAAAAAAAAAAAAAAAAAAAAAAAAAAAAD8AAAAAAAAAwMD/AAAAAABkAAAAMgAAAAAAAABkAAAAAAAAAH9/fwAKAAAAIgAAABgAAAAAAAAAAAAAAAAAAAAAAAAAAAAAAAAAAAAkAAAAJAAAAAAAAAAHAAAAAAAAAAAAAAAAAAAAAAAAAAAAAAAAAAAAf39/ACUAAABYAAAAAAAAAAAAAAAAAAAAAAAAAAAAAAAAAAAAAAAAAAAAAAAAAAAAAAAAAAAAAAA/AAAAAAAAAKCGAQAAAAAAAAAAAAAAAAAMAAAAAQAAAAAAAAAAAAAAAAAAAB8AAABUAAAA////AP///wEAAAAAAAAAAAAAAAAAAAAAAAAAAAAAAAAAAAAAAAAAAMBQTQYAAAACAAAAAgAAAADAwP8Af39/AAAAAAAAAAAAAAAAAAAAAAAAAAAAIQAAABgAAAAUAAAA9xQAAJQgAADXFwAAayIAAAAAAAAmAAAACAAAAP//////////"/>
                 </a:ext>
               </a:extLst>
             </p:cNvCxnSpPr>
@@ -12480,441 +12675,9 @@
     </p:bldLst>
     <p:extLst>
       <p:ext uri="smNativeData">
-        <pr:smNativeData xmlns:pr="smNativeData" xmlns="smNativeData" val="JtjWYgEAAAAFAAAA/f///wEAAAABAAAAAAAAAAAAAAAAAAAAAAAAAA=="/>
+        <pr:smNativeData xmlns:pr="smNativeData" xmlns="smNativeData" val="iunWYgEAAAAFAAAA/f///wEAAAABAAAAAAAAAAAAAAAAAAAAAAAAAA=="/>
       </p:ext>
     </p:extLst>
-  </p:timing>
-</p:sld>
-</file>
-
-<file path=ppt/slides/slide33.xml><?xml version="1.0" encoding="utf-8"?>
-<p:sld xmlns:p="http://schemas.openxmlformats.org/presentationml/2006/main" xmlns:mc="http://schemas.openxmlformats.org/markup-compatibility/2006" xmlns:p14="http://schemas.microsoft.com/office/powerpoint/2010/main" xmlns:p15="http://schemas.microsoft.com/office/powerpoint/2012/main" xmlns:r="http://schemas.openxmlformats.org/officeDocument/2006/relationships" xmlns:a="http://schemas.openxmlformats.org/drawingml/2006/main" mc:Ignorable="p14" show="0">
-  <p:cSld>
-    <p:spTree>
-      <p:nvGrpSpPr>
-        <p:cNvPr id="1" name=""/>
-        <p:cNvGrpSpPr/>
-        <p:nvPr/>
-      </p:nvGrpSpPr>
-      <p:grpSpPr>
-        <a:xfrm>
-          <a:off x="0" y="0"/>
-          <a:ext cx="0" cy="0"/>
-          <a:chOff x="0" y="0"/>
-          <a:chExt cx="0" cy="0"/>
-        </a:xfrm>
-      </p:grpSpPr>
-      <p:sp>
-        <p:nvSpPr>
-          <p:cNvPr id="2" name="Titre 1"/>
-          <p:cNvSpPr>
-            <a:spLocks noGrp="1" noChangeArrowheads="1"/>
-            <a:extLst>
-              <a:ext uri="smNativeData">
-                <pr:smNativeData xmlns:pr="smNativeData" xmlns="smNativeData" val="SMDATA_15_JtjWYhMAAAAlAAAAZAAAAA0AAAAAkAAAAEgAAACQAAAASAAAAAAAAAABAAAAAAAAAAEAAABQAAAAAAAAAAAA4D8AAAAAAADgPwAAAAAAAOA/AAAAAAAA4D8AAAAAAADgPwAAAAAAAOA/AAAAAAAA4D8AAAAAAADgPwAAAAAAAOA/AAAAAAAA4D8CAAAAjAAAAAAAAAAAAAAAT4G9DP///wgAAAAAAAAAAAAAAAAAAAAAAAAAAAAAAAAAAAAAZAAAAAEAAABAAAAAAAAAAAAAAAAAAAAAAAAAAAAAAAAAAAAAAAAAAAAAAAAAAAAAAAAAAAAAAAAAAAAAAAAAAAAAAAAAAAAAAAAAAAAAAAAAAAAAAAAAAAAAAAAAAAAAFAAAADwAAAAAAAAAAAAAAAAAAAkUAAAAAQAAABQAAAAUAAAAFAAAAAEAAAAAAAAAZAAAAGQAAAAAAAAAZAAAAGQAAAAVAAAAYAAAAAAAAAAAAAAADwAAACADAAAAAAAAAAAAAAEAAACgMgAAVgcAAKr4//8BAAAAf39/AAEAAABkAAAAAAAAABQAAABAHwAAAAAAACYAAAAAAAAAwOD//wAAAAAmAAAAZAAAABYAAABMAAAAAAAAAAAAAAAEAAAAAAAAAAEAAADu7OEKAAAAACgAAAAoAAAAZAAAAGQAAAAAAAAAzMzMAAAAAABQAAAAUAAAAGQAAABkAAAAAAAAABcAAAAUAAAAAAAAAAAAAAD/fwAA/38AAAAAAAAJAAAABAAAAAAAAAEeAAAAaAAAAAAAAAAAAAAAAAAAAAAAAAAAAAAAECcAABAnAAAAAAAAAAAAAAAAAAAAAAAAAAAAAAAAAAAAAAAAAAAAABQAAAAAAAAAwMD/AAAAAABkAAAAMgAAAAAAAABkAAAAAAAAAH9/fwAKAAAAIgAAABgAAAAAAAAAAAAAAAAAAAAAAAAAAAAAAAAAAAAkAAAAJAAAAAAAAAAHAAAAAAAAAAAAAAAAAAAAAAAAAAAAAAAAAAAAf39/ACUAAABYAAAAAAAAAAAAAAAAAAAAAAAAAAAAAAAAAAAAAAAAAAAAAAAAAAAAAAAAAAAAAAA/AAAAAAAAAKCGAQAAAAAAAAAAAAAAAAAMAAAAAQAAAAAAAAAAAAAAAAAAAB8AAABUAAAAT4G9Bf///wEAAAAAAAAAAAAAAAAAAAAAAAAAAAAAAAAAAAAAAAAAAAAAAAJ/f38A7uzhA8zMzADAwP8Af39/AAAAAAAAAAAAAAAAAAAAAAAAAAAAIQAAABgAAAAUAAAA0AIAAKH9//9wNQAAqQQAABAAAAAmAAAACAAAAAEAAAAAAAAA"/>
-              </a:ext>
-            </a:extLst>
-          </p:cNvSpPr>
-          <p:nvPr>
-            <p:ph type="title"/>
-          </p:nvPr>
-        </p:nvSpPr>
-        <p:spPr>
-          <a:xfrm>
-            <a:off x="457200" y="-385445"/>
-            <a:ext cx="8229600" cy="1143000"/>
-          </a:xfrm>
-        </p:spPr>
-        <p:txBody>
-          <a:bodyPr/>
-          <a:lstStyle/>
-          <a:p>
-            <a:pPr>
-              <a:defRPr lang="fr-fr"/>
-            </a:pPr>
-            <a:r>
-              <a:t>Preparing for inference</a:t>
-            </a:r>
-          </a:p>
-        </p:txBody>
-      </p:sp>
-      <p:sp>
-        <p:nvSpPr>
-          <p:cNvPr id="3" name="Espace réservé du contenu 2"/>
-          <p:cNvSpPr>
-            <a:spLocks noGrp="1" noChangeArrowheads="1"/>
-            <a:extLst>
-              <a:ext uri="smNativeData">
-                <pr:smNativeData xmlns:pr="smNativeData" xmlns="smNativeData" val="SMDATA_15_JtjWYhMAAAAlAAAAZAAAAA0AAAAAkAAAAEgAAACQAAAASAAAAAAAAAAAAAAAAAAAAAEAAABQAAAAAAAAAAAA4D8AAAAAAADgPwAAAAAAAOA/AAAAAAAA4D8AAAAAAADgPwAAAAAAAOA/AAAAAAAA4D8AAAAAAADgPwAAAAAAAOA/AAAAAAAA4D8CAAAAjAAAAAAAAAAAAAAAT4G9DP///wgAAAAAAAAAAAAAAAAAAAAAAAAAAAAAAAAAAAAAZAAAAAEAAABAAAAAAAAAAAAAAAAAAAAAAAAAAAAAAAAAAAAAAAAAAAAAAAAAAAAAAAAAAAAAAAAAAAAAAAAAAAAAAAAAAAAAAAAAAAAAAAAAAAAAAAAAAAAAAAAAAAAAFAAAADwAAAAAAAAAAAAAAAAAAAkUAAAAAQAAABQAAAAUAAAAFAAAAAEAAAAAAAAAZAAAAGQAAAAAAAAAZAAAAGQAAAAVAAAAYAAAAAAAAAAAAAAADwAAACADAAAAAAAAAAAAAAEAAACgMgAAVgcAAKr4//8BAAAAf39/AAEAAABkAAAAAAAAABQAAABAHwAAAAAAACYAAAAAAAAAwOD//wAAAAAmAAAAZAAAABYAAABMAAAAAAAAAAAAAAAEAAAAAAAAAAEAAADu7OEKAAAAACgAAAAoAAAAZAAAAGQAAAAAAAAAzMzMAAAAAABQAAAAUAAAAGQAAABkAAAAAAAAABcAAAAUAAAAAAAAAAAAAAD/fwAA/38AAAAAAAAJAAAABAAAABOkAAAeAAAAaAAAAAAAAAAAAAAAAAAAAAAAAAAAAAAAECcAABAnAAAAAAAAAAAAAAAAAAAAAAAAAAAAAAAAAAAAAAAAAAAAABQAAAAAAAAAwMD/AAAAAABkAAAAMgAAAAAAAABkAAAAAAAAAH9/fwAKAAAAIgAAABgAAAAAAAAAAAAAAAAAAAAAAAAAAAAAAAAAAAAkAAAAJAAAAAAAAAAHAAAAAAAAAAAAAAAAAAAAAAAAAAAAAAAAAAAAf39/ACUAAABYAAAAAAAAAAAAAAAAAAAAAAAAAAAAAAAAAAAAAAAAAAAAAAAAAAAAAAAAAAAAAAA/AAAAAAAAAKCGAQAAAAAAAAAAAAAAAAAMAAAAAQAAAAAAAAAAAAAAAAAAAB8AAABUAAAAT4G9Bf///wEAAAAAAAAAAAAAAAAAAAAAAAAAAAAAAAAAAAAAAAAAAAAAAAJ/f38A7uzhA8zMzADAwP8Af39/AAAAAAAAAAAAAAAAAAAAAAAAAAAAIQAAABgAAAAUAAAAAAAAADQDAABAOAAAMCoAABAAAAAmAAAACAAAAAEgAAAAAAAA"/>
-              </a:ext>
-            </a:extLst>
-          </p:cNvSpPr>
-          <p:nvPr>
-            <p:ph type="body" idx="1"/>
-          </p:nvPr>
-        </p:nvSpPr>
-        <p:spPr>
-          <a:xfrm>
-            <a:off x="0" y="520700"/>
-            <a:ext cx="9144000" cy="6337300"/>
-          </a:xfrm>
-        </p:spPr>
-        <p:txBody>
-          <a:bodyPr vert="horz" wrap="square" lIns="91440" tIns="45720" rIns="91440" bIns="45720" numCol="1" spcCol="215900" anchor="t">
-            <a:prstTxWarp prst="textNoShape">
-              <a:avLst/>
-            </a:prstTxWarp>
-          </a:bodyPr>
-          <a:lstStyle/>
-          <a:p>
-            <a:pPr>
-              <a:lnSpc>
-                <a:spcPct val="80000"/>
-              </a:lnSpc>
-              <a:spcBef>
-                <a:spcPts val="360"/>
-              </a:spcBef>
-              <a:buNone/>
-              <a:defRPr lang="fr-fr" sz="1505" cap="none"/>
-            </a:pPr>
-            <a:r>
-              <a:t># Get a hang on the model (any node will do)</a:t>
-            </a:r>
-          </a:p>
-          <a:p>
-            <a:pPr>
-              <a:lnSpc>
-                <a:spcPct val="80000"/>
-              </a:lnSpc>
-              <a:spcBef>
-                <a:spcPts val="360"/>
-              </a:spcBef>
-              <a:buNone/>
-              <a:defRPr lang="fr-fr" sz="1505" cap="none"/>
-            </a:pPr>
-            <a:r>
-              <a:t>mymodel = model(A)</a:t>
-            </a:r>
-          </a:p>
-          <a:p>
-            <a:pPr>
-              <a:lnSpc>
-                <a:spcPct val="80000"/>
-              </a:lnSpc>
-              <a:spcBef>
-                <a:spcPts val="360"/>
-              </a:spcBef>
-              <a:buNone/>
-              <a:defRPr lang="fr-fr" sz="1505" cap="none"/>
-            </a:pPr>
-          </a:p>
-          <a:p>
-            <a:pPr>
-              <a:lnSpc>
-                <a:spcPct val="80000"/>
-              </a:lnSpc>
-              <a:spcBef>
-                <a:spcPts val="360"/>
-              </a:spcBef>
-              <a:buNone/>
-              <a:defRPr lang="fr-fr" sz="1505" cap="none"/>
-            </a:pPr>
-            <a:r>
-              <a:t># Moves</a:t>
-            </a:r>
-          </a:p>
-          <a:p>
-            <a:pPr>
-              <a:lnSpc>
-                <a:spcPct val="80000"/>
-              </a:lnSpc>
-              <a:spcBef>
-                <a:spcPts val="360"/>
-              </a:spcBef>
-              <a:buNone/>
-              <a:defRPr lang="fr-fr" sz="1505" cap="none"/>
-            </a:pPr>
-            <a:r>
-              <a:t>moveIndex = 0</a:t>
-            </a:r>
-          </a:p>
-          <a:p>
-            <a:pPr>
-              <a:lnSpc>
-                <a:spcPct val="80000"/>
-              </a:lnSpc>
-              <a:spcBef>
-                <a:spcPts val="360"/>
-              </a:spcBef>
-              <a:buNone/>
-              <a:defRPr lang="fr-fr" sz="1505" cap="none"/>
-            </a:pPr>
-            <a:r>
-              <a:t>moves[moveIndex++] = mvSlice(A)</a:t>
-            </a:r>
-          </a:p>
-          <a:p>
-            <a:pPr>
-              <a:lnSpc>
-                <a:spcPct val="80000"/>
-              </a:lnSpc>
-              <a:spcBef>
-                <a:spcPts val="360"/>
-              </a:spcBef>
-              <a:buNone/>
-              <a:defRPr lang="fr-fr" sz="1505" cap="none"/>
-            </a:pPr>
-            <a:r>
-              <a:t>moves[moveIndex++] = mvSlice(lalpha)</a:t>
-            </a:r>
-          </a:p>
-          <a:p>
-            <a:pPr>
-              <a:lnSpc>
-                <a:spcPct val="80000"/>
-              </a:lnSpc>
-              <a:spcBef>
-                <a:spcPts val="360"/>
-              </a:spcBef>
-              <a:buNone/>
-              <a:defRPr lang="fr-fr" sz="1505" cap="none"/>
-            </a:pPr>
-            <a:r>
-              <a:t>moves[moveIndex++] = mvSlide(A)</a:t>
-            </a:r>
-          </a:p>
-          <a:p>
-            <a:pPr>
-              <a:lnSpc>
-                <a:spcPct val="80000"/>
-              </a:lnSpc>
-              <a:spcBef>
-                <a:spcPts val="360"/>
-              </a:spcBef>
-              <a:buNone/>
-              <a:defRPr lang="fr-fr" sz="1505" cap="none"/>
-            </a:pPr>
-            <a:r>
-              <a:t>moves[moveIndex++] = mvSlide(lalpha)</a:t>
-            </a:r>
-          </a:p>
-          <a:p>
-            <a:pPr>
-              <a:lnSpc>
-                <a:spcPct val="80000"/>
-              </a:lnSpc>
-              <a:spcBef>
-                <a:spcPts val="360"/>
-              </a:spcBef>
-              <a:buNone/>
-              <a:defRPr lang="fr-fr" sz="1505" cap="none"/>
-            </a:pPr>
-            <a:r>
-              <a:t>moves[moveIndex++] = mvScale(A)</a:t>
-            </a:r>
-          </a:p>
-          <a:p>
-            <a:pPr>
-              <a:lnSpc>
-                <a:spcPct val="80000"/>
-              </a:lnSpc>
-              <a:spcBef>
-                <a:spcPts val="360"/>
-              </a:spcBef>
-              <a:buNone/>
-              <a:defRPr lang="fr-fr" sz="1505" cap="none"/>
-            </a:pPr>
-          </a:p>
-          <a:p>
-            <a:pPr>
-              <a:lnSpc>
-                <a:spcPct val="80000"/>
-              </a:lnSpc>
-              <a:spcBef>
-                <a:spcPts val="360"/>
-              </a:spcBef>
-              <a:buNone/>
-              <a:defRPr lang="fr-fr" sz="1505" cap="none"/>
-            </a:pPr>
-            <a:r>
-              <a:t># Some monitors to see how the MCMC is going</a:t>
-            </a:r>
-          </a:p>
-          <a:p>
-            <a:pPr>
-              <a:lnSpc>
-                <a:spcPct val="80000"/>
-              </a:lnSpc>
-              <a:spcBef>
-                <a:spcPts val="360"/>
-              </a:spcBef>
-              <a:buNone/>
-              <a:defRPr lang="fr-fr" sz="1505" cap="none"/>
-            </a:pPr>
-            <a:r>
-              <a:t>myOutputFile = "boars.log"</a:t>
-            </a:r>
-          </a:p>
-          <a:p>
-            <a:pPr>
-              <a:lnSpc>
-                <a:spcPct val="80000"/>
-              </a:lnSpc>
-              <a:spcBef>
-                <a:spcPts val="360"/>
-              </a:spcBef>
-              <a:buNone/>
-              <a:defRPr lang="fr-fr" sz="1505" cap="none"/>
-            </a:pPr>
-            <a:r>
-              <a:t>monitors[1] = mnModel(filename=myOutputFile, printgen=10, separator=" ")</a:t>
-            </a:r>
-          </a:p>
-          <a:p>
-            <a:pPr>
-              <a:lnSpc>
-                <a:spcPct val="80000"/>
-              </a:lnSpc>
-              <a:spcBef>
-                <a:spcPts val="360"/>
-              </a:spcBef>
-              <a:buNone/>
-              <a:defRPr lang="fr-fr" sz="1505" cap="none"/>
-            </a:pPr>
-            <a:r>
-              <a:t>monitors[2] = mnScreen(printgen=10, A, lalpha)</a:t>
-            </a:r>
-          </a:p>
-          <a:p>
-            <a:pPr>
-              <a:lnSpc>
-                <a:spcPct val="80000"/>
-              </a:lnSpc>
-              <a:spcBef>
-                <a:spcPts val="360"/>
-              </a:spcBef>
-              <a:buNone/>
-              <a:defRPr lang="fr-fr" sz="1505" cap="none"/>
-            </a:pPr>
-          </a:p>
-          <a:p>
-            <a:pPr>
-              <a:lnSpc>
-                <a:spcPct val="80000"/>
-              </a:lnSpc>
-              <a:spcBef>
-                <a:spcPts val="360"/>
-              </a:spcBef>
-              <a:buNone/>
-              <a:defRPr lang="fr-fr" sz="1505" cap="none"/>
-            </a:pPr>
-            <a:r>
-              <a:t># Automatic stopping rules when convergence has occurred or when too much time has passed </a:t>
-            </a:r>
-          </a:p>
-          <a:p>
-            <a:pPr>
-              <a:lnSpc>
-                <a:spcPct val="80000"/>
-              </a:lnSpc>
-              <a:spcBef>
-                <a:spcPts val="360"/>
-              </a:spcBef>
-              <a:buNone/>
-              <a:defRPr lang="fr-fr" sz="1505" cap="none"/>
-            </a:pPr>
-            <a:r>
-              <a:t>stopping_rules[1] = srMaxIteration(200000)</a:t>
-            </a:r>
-          </a:p>
-          <a:p>
-            <a:pPr>
-              <a:lnSpc>
-                <a:spcPct val="80000"/>
-              </a:lnSpc>
-              <a:spcBef>
-                <a:spcPts val="360"/>
-              </a:spcBef>
-              <a:buNone/>
-              <a:defRPr lang="fr-fr" sz="1505" cap="none"/>
-            </a:pPr>
-            <a:r>
-              <a:t>stopping_rules[2] = srMaxTime(15,"hours")</a:t>
-            </a:r>
-          </a:p>
-          <a:p>
-            <a:pPr>
-              <a:lnSpc>
-                <a:spcPct val="80000"/>
-              </a:lnSpc>
-              <a:spcBef>
-                <a:spcPts val="360"/>
-              </a:spcBef>
-              <a:buNone/>
-              <a:defRPr lang="fr-fr" sz="1505" cap="none"/>
-            </a:pPr>
-            <a:r>
-              <a:t>stopping_rules[3] = srMinESS(50,myOutputFile,10000)</a:t>
-            </a:r>
-          </a:p>
-          <a:p>
-            <a:pPr>
-              <a:lnSpc>
-                <a:spcPct val="80000"/>
-              </a:lnSpc>
-              <a:spcBef>
-                <a:spcPts val="360"/>
-              </a:spcBef>
-              <a:buNone/>
-              <a:defRPr lang="fr-fr" sz="1505" cap="none"/>
-            </a:pPr>
-            <a:r>
-              <a:t>stopping_rules[4] = srGelmanRubin(1.01,myOutputFile,10000)</a:t>
-            </a:r>
-          </a:p>
-          <a:p>
-            <a:pPr>
-              <a:lnSpc>
-                <a:spcPct val="80000"/>
-              </a:lnSpc>
-              <a:spcBef>
-                <a:spcPts val="360"/>
-              </a:spcBef>
-              <a:buNone/>
-              <a:defRPr lang="fr-fr" sz="1505" cap="none"/>
-            </a:pPr>
-            <a:r>
-              <a:t>stopping_rules[5] = srGeweke(prob=0.001, file=myOutputFile,freq=10000)</a:t>
-            </a:r>
-          </a:p>
-          <a:p>
-            <a:pPr>
-              <a:lnSpc>
-                <a:spcPct val="80000"/>
-              </a:lnSpc>
-              <a:spcBef>
-                <a:spcPts val="360"/>
-              </a:spcBef>
-              <a:buNone/>
-              <a:defRPr lang="fr-fr" sz="1505" cap="none"/>
-            </a:pPr>
-            <a:r>
-              <a:t>stopping_rules[6] = srStationarity(prob=0.01, file=myOutputFile,freq=10000)</a:t>
-            </a:r>
-          </a:p>
-        </p:txBody>
-      </p:sp>
-    </p:spTree>
-  </p:cSld>
-  <p:clrMapOvr>
-    <a:masterClrMapping/>
-  </p:clrMapOvr>
-  <p:timing>
-    <p:tnLst>
-      <p:par>
-        <p:cTn id="1" dur="indefinite" restart="never" nodeType="tmRoot"/>
-      </p:par>
-    </p:tnLst>
   </p:timing>
 </p:sld>
 </file>
@@ -12943,7 +12706,7 @@
             <a:spLocks noGrp="1" noChangeArrowheads="1"/>
             <a:extLst>
               <a:ext uri="smNativeData">
-                <pr:smNativeData xmlns:pr="smNativeData" xmlns="smNativeData" val="SMDATA_15_JtjWYhMAAAAlAAAAZAAAAA0AAAAAkAAAAEgAAACQAAAASAAAAAAAAAABAAAAAAAAAAEAAABQAAAAAAAAAAAA4D8AAAAAAADgPwAAAAAAAOA/AAAAAAAA4D8AAAAAAADgPwAAAAAAAOA/AAAAAAAA4D8AAAAAAADgPwAAAAAAAOA/AAAAAAAA4D8CAAAAjAAAAAAAAAAAAAAAT4G9DP///wgAAAAAAAAAAAAAAAAAAAAAAAAAAAAAAAAAAAAAZAAAAAEAAABAAAAAAAAAAAAAAAAAAAAAAAAAAAAAAAAAAAAAAAAAAAAAAAAAAAAAAAAAAAAAAAAAAAAAAAAAAAAAAAAAAAAAAAAAAAAAAAAAAAAAAAAAAAAAAAAAAAAAFAAAADwAAAAAAAAAAAAAAAAAAAkUAAAAAQAAABQAAAAUAAAAFAAAAAEAAAAAAAAAZAAAAGQAAAAAAAAAZAAAAGQAAAAVAAAAYAAAAAAAAAAAAAAADwAAACADAAAAAAAAAAAAAAEAAACgMgAAVgcAAKr4//8BAAAAf39/AAEAAABkAAAAAAAAABQAAABAHwAAAAAAACYAAAAAAAAAwOD//wAAAAAmAAAAZAAAABYAAABMAAAAAAAAAAAAAAAEAAAAAAAAAAEAAADu7OEKAAAAACgAAAAoAAAAZAAAAGQAAAAAAAAAzMzMAAAAAABQAAAAUAAAAGQAAABkAAAAAAAAABcAAAAUAAAAAAAAAAAAAAD/fwAA/38AAAAAAAAJAAAABAAAAAAAAAAeAAAAaAAAAAAAAAAAAAAAAAAAAAAAAAAAAAAAECcAABAnAAAAAAAAAAAAAAAAAAAAAAAAAAAAAAAAAAAAAAAAAAAAABQAAAAAAAAAwMD/AAAAAABkAAAAMgAAAAAAAABkAAAAAAAAAH9/fwAKAAAAIgAAABgAAAAAAAAAAAAAAAAAAAAAAAAAAAAAAAAAAAAkAAAAJAAAAAAAAAAHAAAAAAAAAAAAAAAAAAAAAAAAAAAAAAAAAAAAf39/ACUAAABYAAAAAAAAAAAAAAAAAAAAAAAAAAAAAAAAAAAAAAAAAAAAAAAAAAAAAAAAAAAAAAA/AAAAAAAAAKCGAQAAAAAAAAAAAAAAAAAMAAAAAQAAAAAAAAAAAAAAAAAAAB8AAABUAAAAT4G9Bf///wEAAAAAAAAAAAAAAAAAAAAAAAAAAAAAAAAAAAAAAAAAAAAAAAJ/f38A7uzhA8zMzADAwP8Af39/AAAAAAAAAAAAAAAAAAAAAAAAAAAAIQAAABgAAAAUAAAA0AIAALEBAABwNQAAuQgAABAAAAAmAAAACAAAAAAAAAAAAAAA"/>
+                <pr:smNativeData xmlns:pr="smNativeData" xmlns="smNativeData" val="SMDATA_15_iunWYhMAAAAlAAAAZAAAAA0AAAAAkAAAAEgAAACQAAAASAAAAAAAAAABAAAAAAAAAAEAAABQAAAAAAAAAAAA4D8AAAAAAADgPwAAAAAAAOA/AAAAAAAA4D8AAAAAAADgPwAAAAAAAOA/AAAAAAAA4D8AAAAAAADgPwAAAAAAAOA/AAAAAAAA4D8CAAAAjAAAAAAAAAAAAAAAT4G9DP///wgAAAAAAAAAAAAAAAAAAAAAAAAAAAAAAAAAAAAAZAAAAAEAAABAAAAAAAAAAAAAAAAAAAAAAAAAAAAAAAAAAAAAAAAAAAAAAAAAAAAAAAAAAAAAAAAAAAAAAAAAAAAAAAAAAAAAAAAAAAAAAAAAAAAAAAAAAAAAAAAAAAAAFAAAADwAAAAAAAAAAAAAAAAAAAkUAAAAAQAAABQAAAAUAAAAFAAAAAEAAAAAAAAAZAAAAGQAAAAAAAAAZAAAAGQAAAAVAAAAYAAAAAAAAAAAAAAADwAAACADAAAAAAAAAAAAAAEAAACgMgAAVgcAAKr4//8BAAAAf39/AAEAAABkAAAAAAAAABQAAABAHwAAAAAAACYAAAAAAAAAwOD//wAAAAAmAAAAZAAAABYAAABMAAAAAAAAAAAAAAAEAAAAAAAAAAEAAADu7OEKAAAAACgAAAAoAAAAZAAAAGQAAAAAAAAAzMzMAAAAAABQAAAAUAAAAGQAAABkAAAAAAAAABcAAAAUAAAAAAAAAAAAAAD/fwAA/38AAAAAAAAJAAAABAAAAAAAAAEeAAAAaAAAAAAAAAAAAAAAAAAAAAAAAAAAAAAAECcAABAnAAAAAAAAAAAAAAAAAAAAAAAAAAAAAAAAAAAAAAAAAAAAABQAAAAAAAAAwMD/AAAAAABkAAAAMgAAAAAAAABkAAAAAAAAAH9/fwAKAAAAIgAAABgAAAAAAAAAAAAAAAAAAAAAAAAAAAAAAAAAAAAkAAAAJAAAAAAAAAAHAAAAAAAAAAAAAAAAAAAAAAAAAAAAAAAAAAAAf39/ACUAAABYAAAAAAAAAAAAAAAAAAAAAAAAAAAAAAAAAAAAAAAAAAAAAAAAAAAAAAAAAAAAAAA/AAAAAAAAAKCGAQAAAAAAAAAAAAAAAAAMAAAAAQAAAAAAAAAAAAAAAAAAAB8AAABUAAAAT4G9Bf///wEAAAAAAAAAAAAAAAAAAAAAAAAAAAAAAAAAAAAAAAAAAAAAAAJ/f38A7uzhA8zMzADAwP8Af39/AAAAAAAAAAAAAAAAAAAAAAAAAAAAIQAAABgAAAAUAAAA0AIAAKH9//9wNQAAqQQAABAAAAAmAAAACAAAAAEAAAAAAAAA"/>
               </a:ext>
             </a:extLst>
           </p:cNvSpPr>
@@ -12951,7 +12714,12 @@
             <p:ph type="title"/>
           </p:nvPr>
         </p:nvSpPr>
-        <p:spPr/>
+        <p:spPr>
+          <a:xfrm>
+            <a:off x="457200" y="-385445"/>
+            <a:ext cx="8229600" cy="1143000"/>
+          </a:xfrm>
+        </p:spPr>
         <p:txBody>
           <a:bodyPr/>
           <a:lstStyle/>
@@ -12960,7 +12728,7 @@
               <a:defRPr lang="fr-fr"/>
             </a:pPr>
             <a:r>
-              <a:t>Performing inference</a:t>
+              <a:t>Preparing for inference</a:t>
             </a:r>
           </a:p>
         </p:txBody>
@@ -12972,7 +12740,7 @@
             <a:spLocks noGrp="1" noChangeArrowheads="1"/>
             <a:extLst>
               <a:ext uri="smNativeData">
-                <pr:smNativeData xmlns:pr="smNativeData" xmlns="smNativeData" val="SMDATA_15_JtjWYhMAAAAlAAAAZAAAAA0AAAAAkAAAAEgAAACQAAAASAAAAAAAAAAAAAAAAAAAAAEAAABQAAAAAAAAAAAA4D8AAAAAAADgPwAAAAAAAOA/AAAAAAAA4D8AAAAAAADgPwAAAAAAAOA/AAAAAAAA4D8AAAAAAADgPwAAAAAAAOA/AAAAAAAA4D8CAAAAjAAAAAAAAAAAAAAAT4G9DP///wgAAAAAAAAAAAAAAAAAAAAAAAAAAAAAAAAAAAAAZAAAAAEAAABAAAAAAAAAAAAAAAAAAAAAAAAAAAAAAAAAAAAAAAAAAAAAAAAAAAAAAAAAAAAAAAAAAAAAAAAAAAAAAAAAAAAAAAAAAAAAAAAAAAAAAAAAAAAAAAAAAAAAFAAAADwAAAAAAAAAAAAAAAAAAAkUAAAAAQAAABQAAAAUAAAAFAAAAAEAAAAAAAAAZAAAAGQAAAAAAAAAZAAAAGQAAAAVAAAAYAAAAAAAAAAAAAAADwAAACADAAAAAAAAAAAAAAEAAACgMgAAVgcAAKr4//8BAAAAf39/AAEAAABkAAAAAAAAABQAAABAHwAAAAAAACYAAAAAAAAAwOD//wAAAAAmAAAAZAAAABYAAABMAAAAAAAAAAAAAAAEAAAAAAAAAAEAAADu7OEKAAAAACgAAAAoAAAAZAAAAGQAAAAAAAAAzMzMAAAAAABQAAAAUAAAAGQAAABkAAAAAAAAABcAAAAUAAAAAAAAAAAAAAD/fwAA/38AAAAAAAAJAAAABAAAAAAAAAAeAAAAaAAAAAAAAAAAAAAAAAAAAAAAAAAAAAAAECcAABAnAAAAAAAAAAAAAAAAAAAAAAAAAAAAAAAAAAAAAAAAAAAAABQAAAAAAAAAwMD/AAAAAABkAAAAMgAAAAAAAABkAAAAAAAAAH9/fwAKAAAAIgAAABgAAAAAAAAAAAAAAAAAAAAAAAAAAAAAAAAAAAAkAAAAJAAAAAAAAAAHAAAAAAAAAAAAAAAAAAAAAAAAAAAAAAAAAAAAf39/ACUAAABYAAAAAAAAAAAAAAAAAAAAAAAAAAAAAAAAAAAAAAAAAAAAAAAAAAAAAAAAAAAAAAA/AAAAAAAAAKCGAQAAAAAAAAAAAAAAAAAMAAAAAQAAAAAAAAAAAAAAAAAAAB8AAABUAAAAT4G9Bf///wEAAAAAAAAAAAAAAAAAAAAAAAAAAAAAAAAAAAAAAAAAAAAAAAJ/f38A7uzhA8zMzADAwP8Af39/AAAAAAAAAAAAAAAAAAAAAAAAAAAAIQAAABgAAAAUAAAA0AIAANgJAABwNQAAPCgAABAAAAAmAAAACAAAAAEgAAAAAAAA"/>
+                <pr:smNativeData xmlns:pr="smNativeData" xmlns="smNativeData" val="SMDATA_15_iunWYhMAAAAlAAAAZAAAAA0AAAAAkAAAAEgAAACQAAAASAAAAAAAAAAAAAAAAAAAAAEAAABQAAAAAAAAAAAA4D8AAAAAAADgPwAAAAAAAOA/AAAAAAAA4D8AAAAAAADgPwAAAAAAAOA/AAAAAAAA4D8AAAAAAADgPwAAAAAAAOA/AAAAAAAA4D8CAAAAjAAAAAAAAAAAAAAAT4G9DP///wgAAAAAAAAAAAAAAAAAAAAAAAAAAAAAAAAAAAAAZAAAAAEAAABAAAAAAAAAAAAAAAAAAAAAAAAAAAAAAAAAAAAAAAAAAAAAAAAAAAAAAAAAAAAAAAAAAAAAAAAAAAAAAAAAAAAAAAAAAAAAAAAAAAAAAAAAAAAAAAAAAAAAFAAAADwAAAAAAAAAAAAAAAAAAAkUAAAAAQAAABQAAAAUAAAAFAAAAAEAAAAAAAAAZAAAAGQAAAAAAAAAZAAAAGQAAAAVAAAAYAAAAAAAAAAAAAAADwAAACADAAAAAAAAAAAAAAEAAACgMgAAVgcAAKr4//8BAAAAf39/AAEAAABkAAAAAAAAABQAAABAHwAAAAAAACYAAAAAAAAAwOD//wAAAAAmAAAAZAAAABYAAABMAAAAAAAAAAAAAAAEAAAAAAAAAAEAAADu7OEKAAAAACgAAAAoAAAAZAAAAGQAAAAAAAAAzMzMAAAAAABQAAAAUAAAAGQAAABkAAAAAAAAABcAAAAUAAAAAAAAAAAAAAD/fwAA/38AAAAAAAAJAAAABAAAABOkAAAeAAAAaAAAAAAAAAAAAAAAAAAAAAAAAAAAAAAAECcAABAnAAAAAAAAAAAAAAAAAAAAAAAAAAAAAAAAAAAAAAAAAAAAABQAAAAAAAAAwMD/AAAAAABkAAAAMgAAAAAAAABkAAAAAAAAAH9/fwAKAAAAIgAAABgAAAAAAAAAAAAAAAAAAAAAAAAAAAAAAAAAAAAkAAAAJAAAAAAAAAAHAAAAAAAAAAAAAAAAAAAAAAAAAAAAAAAAAAAAf39/ACUAAABYAAAAAAAAAAAAAAAAAAAAAAAAAAAAAAAAAAAAAAAAAAAAAAAAAAAAAAAAAAAAAAA/AAAAAAAAAKCGAQAAAAAAAAAAAAAAAAAMAAAAAQAAAAAAAAAAAAAAAAAAAB8AAABUAAAAT4G9Bf///wEAAAAAAAAAAAAAAAAAAAAAAAAAAAAAAAAAAAAAAAAAAAAAAAJ/f38A7uzhA8zMzADAwP8Af39/AAAAAAAAAAAAAAAAAAAAAAAAAAAAIQAAABgAAAAUAAAAAAAAADQDAABAOAAAMCoAABAAAAAmAAAACAAAAAEgAAAAAAAA"/>
               </a:ext>
             </a:extLst>
           </p:cNvSpPr>
@@ -12982,8 +12750,8 @@
         </p:nvSpPr>
         <p:spPr>
           <a:xfrm>
-            <a:off x="457200" y="1600200"/>
-            <a:ext cx="8229600" cy="4940300"/>
+            <a:off x="0" y="520700"/>
+            <a:ext cx="9144000" cy="6337300"/>
           </a:xfrm>
         </p:spPr>
         <p:txBody>
@@ -12999,13 +12767,13 @@
                 <a:spcPct val="80000"/>
               </a:lnSpc>
               <a:spcBef>
-                <a:spcPts val="535"/>
+                <a:spcPts val="360"/>
               </a:spcBef>
               <a:buNone/>
-              <a:defRPr lang="fr-fr" sz="2240" cap="none"/>
-            </a:pPr>
-            <a:r>
-              <a:t># Creating the MCMC object</a:t>
+              <a:defRPr lang="fr-fr" sz="1505" cap="none"/>
+            </a:pPr>
+            <a:r>
+              <a:t># Get a hang on the model (any node will do)</a:t>
             </a:r>
           </a:p>
           <a:p>
@@ -13014,13 +12782,13 @@
                 <a:spcPct val="80000"/>
               </a:lnSpc>
               <a:spcBef>
-                <a:spcPts val="535"/>
+                <a:spcPts val="360"/>
               </a:spcBef>
               <a:buNone/>
-              <a:defRPr lang="fr-fr" sz="2240" cap="none"/>
-            </a:pPr>
-            <a:r>
-              <a:t>mymcmc = mcmc(mymodel, monitors, moves, moveschedule="random", nruns=2)</a:t>
+              <a:defRPr lang="fr-fr" sz="1505" cap="none"/>
+            </a:pPr>
+            <a:r>
+              <a:t>mymodel = model(A)</a:t>
             </a:r>
           </a:p>
           <a:p>
@@ -13029,10 +12797,10 @@
                 <a:spcPct val="80000"/>
               </a:lnSpc>
               <a:spcBef>
-                <a:spcPts val="535"/>
+                <a:spcPts val="360"/>
               </a:spcBef>
               <a:buNone/>
-              <a:defRPr lang="fr-fr" sz="2240" cap="none"/>
+              <a:defRPr lang="fr-fr" sz="1505" cap="none"/>
             </a:pPr>
           </a:p>
           <a:p>
@@ -13041,13 +12809,13 @@
                 <a:spcPct val="80000"/>
               </a:lnSpc>
               <a:spcBef>
-                <a:spcPts val="535"/>
+                <a:spcPts val="360"/>
               </a:spcBef>
               <a:buNone/>
-              <a:defRPr lang="fr-fr" sz="2240" cap="none"/>
-            </a:pPr>
-            <a:r>
-              <a:t># Alternatively we could create a MCMCMC object</a:t>
+              <a:defRPr lang="fr-fr" sz="1505" cap="none"/>
+            </a:pPr>
+            <a:r>
+              <a:t># Moves</a:t>
             </a:r>
           </a:p>
           <a:p>
@@ -13056,13 +12824,13 @@
                 <a:spcPct val="80000"/>
               </a:lnSpc>
               <a:spcBef>
-                <a:spcPts val="535"/>
+                <a:spcPts val="360"/>
               </a:spcBef>
               <a:buNone/>
-              <a:defRPr lang="fr-fr" sz="2240" cap="none"/>
-            </a:pPr>
-            <a:r>
-              <a:t>#or mymcmc = mcmcmc(mymodel, monitors, moves, moveschedule="random", nchains=4, nruns=1)</a:t>
+              <a:defRPr lang="fr-fr" sz="1505" cap="none"/>
+            </a:pPr>
+            <a:r>
+              <a:t>moveIndex = 0</a:t>
             </a:r>
           </a:p>
           <a:p>
@@ -13071,11 +12839,14 @@
                 <a:spcPct val="80000"/>
               </a:lnSpc>
               <a:spcBef>
-                <a:spcPts val="535"/>
+                <a:spcPts val="360"/>
               </a:spcBef>
               <a:buNone/>
-              <a:defRPr lang="fr-fr" sz="2240" cap="none"/>
-            </a:pPr>
+              <a:defRPr lang="fr-fr" sz="1505" cap="none"/>
+            </a:pPr>
+            <a:r>
+              <a:t>moves[moveIndex++] = mvSlice(A)</a:t>
+            </a:r>
           </a:p>
           <a:p>
             <a:pPr>
@@ -13083,13 +12854,13 @@
                 <a:spcPct val="80000"/>
               </a:lnSpc>
               <a:spcBef>
-                <a:spcPts val="535"/>
+                <a:spcPts val="360"/>
               </a:spcBef>
               <a:buNone/>
-              <a:defRPr lang="fr-fr" sz="2240" cap="none"/>
-            </a:pPr>
-            <a:r>
-              <a:t># Running the analysis: first some burnin...</a:t>
+              <a:defRPr lang="fr-fr" sz="1505" cap="none"/>
+            </a:pPr>
+            <a:r>
+              <a:t>moves[moveIndex++] = mvSlice(lalpha)</a:t>
             </a:r>
           </a:p>
           <a:p>
@@ -13098,13 +12869,13 @@
                 <a:spcPct val="80000"/>
               </a:lnSpc>
               <a:spcBef>
-                <a:spcPts val="535"/>
+                <a:spcPts val="360"/>
               </a:spcBef>
               <a:buNone/>
-              <a:defRPr lang="fr-fr" sz="2240" cap="none"/>
-            </a:pPr>
-            <a:r>
-              <a:t>mymcmc.burnin(generations=10000,200)</a:t>
+              <a:defRPr lang="fr-fr" sz="1505" cap="none"/>
+            </a:pPr>
+            <a:r>
+              <a:t>moves[moveIndex++] = mvSlide(A)</a:t>
             </a:r>
           </a:p>
           <a:p>
@@ -13113,11 +12884,14 @@
                 <a:spcPct val="80000"/>
               </a:lnSpc>
               <a:spcBef>
-                <a:spcPts val="535"/>
+                <a:spcPts val="360"/>
               </a:spcBef>
               <a:buNone/>
-              <a:defRPr lang="fr-fr" sz="2240" cap="none"/>
-            </a:pPr>
+              <a:defRPr lang="fr-fr" sz="1505" cap="none"/>
+            </a:pPr>
+            <a:r>
+              <a:t>moves[moveIndex++] = mvSlide(lalpha)</a:t>
+            </a:r>
           </a:p>
           <a:p>
             <a:pPr>
@@ -13125,13 +12899,13 @@
                 <a:spcPct val="80000"/>
               </a:lnSpc>
               <a:spcBef>
-                <a:spcPts val="535"/>
+                <a:spcPts val="360"/>
               </a:spcBef>
               <a:buNone/>
-              <a:defRPr lang="fr-fr" sz="2240" cap="none"/>
-            </a:pPr>
-            <a:r>
-              <a:t># Then the real thing</a:t>
+              <a:defRPr lang="fr-fr" sz="1505" cap="none"/>
+            </a:pPr>
+            <a:r>
+              <a:t>moves[moveIndex++] = mvScale(A)</a:t>
             </a:r>
           </a:p>
           <a:p>
@@ -13140,14 +12914,11 @@
                 <a:spcPct val="80000"/>
               </a:lnSpc>
               <a:spcBef>
-                <a:spcPts val="535"/>
+                <a:spcPts val="360"/>
               </a:spcBef>
               <a:buNone/>
-              <a:defRPr lang="fr-fr" sz="2240" cap="none"/>
-            </a:pPr>
-            <a:r>
-              <a:t>mymcmc.run(stopping_rules)</a:t>
-            </a:r>
+              <a:defRPr lang="fr-fr" sz="1505" cap="none"/>
+            </a:pPr>
           </a:p>
           <a:p>
             <a:pPr>
@@ -13155,11 +12926,14 @@
                 <a:spcPct val="80000"/>
               </a:lnSpc>
               <a:spcBef>
-                <a:spcPts val="535"/>
+                <a:spcPts val="360"/>
               </a:spcBef>
               <a:buNone/>
-              <a:defRPr lang="fr-fr" sz="2240" cap="none"/>
-            </a:pPr>
+              <a:defRPr lang="fr-fr" sz="1505" cap="none"/>
+            </a:pPr>
+            <a:r>
+              <a:t># Some monitors to see how the MCMC is going</a:t>
+            </a:r>
           </a:p>
           <a:p>
             <a:pPr>
@@ -13167,11 +12941,161 @@
                 <a:spcPct val="80000"/>
               </a:lnSpc>
               <a:spcBef>
-                <a:spcPts val="535"/>
+                <a:spcPts val="360"/>
               </a:spcBef>
               <a:buNone/>
-              <a:defRPr lang="fr-fr" sz="2240" cap="none"/>
-            </a:pPr>
+              <a:defRPr lang="fr-fr" sz="1505" cap="none"/>
+            </a:pPr>
+            <a:r>
+              <a:t>myOutputFile = "boars.log"</a:t>
+            </a:r>
+          </a:p>
+          <a:p>
+            <a:pPr>
+              <a:lnSpc>
+                <a:spcPct val="80000"/>
+              </a:lnSpc>
+              <a:spcBef>
+                <a:spcPts val="360"/>
+              </a:spcBef>
+              <a:buNone/>
+              <a:defRPr lang="fr-fr" sz="1505" cap="none"/>
+            </a:pPr>
+            <a:r>
+              <a:t>monitors[1] = mnModel(filename=myOutputFile, printgen=10, separator=" ")</a:t>
+            </a:r>
+          </a:p>
+          <a:p>
+            <a:pPr>
+              <a:lnSpc>
+                <a:spcPct val="80000"/>
+              </a:lnSpc>
+              <a:spcBef>
+                <a:spcPts val="360"/>
+              </a:spcBef>
+              <a:buNone/>
+              <a:defRPr lang="fr-fr" sz="1505" cap="none"/>
+            </a:pPr>
+            <a:r>
+              <a:t>monitors[2] = mnScreen(printgen=10, A, lalpha)</a:t>
+            </a:r>
+          </a:p>
+          <a:p>
+            <a:pPr>
+              <a:lnSpc>
+                <a:spcPct val="80000"/>
+              </a:lnSpc>
+              <a:spcBef>
+                <a:spcPts val="360"/>
+              </a:spcBef>
+              <a:buNone/>
+              <a:defRPr lang="fr-fr" sz="1505" cap="none"/>
+            </a:pPr>
+          </a:p>
+          <a:p>
+            <a:pPr>
+              <a:lnSpc>
+                <a:spcPct val="80000"/>
+              </a:lnSpc>
+              <a:spcBef>
+                <a:spcPts val="360"/>
+              </a:spcBef>
+              <a:buNone/>
+              <a:defRPr lang="fr-fr" sz="1505" cap="none"/>
+            </a:pPr>
+            <a:r>
+              <a:t># Automatic stopping rules when convergence has occurred or when too much time has passed </a:t>
+            </a:r>
+          </a:p>
+          <a:p>
+            <a:pPr>
+              <a:lnSpc>
+                <a:spcPct val="80000"/>
+              </a:lnSpc>
+              <a:spcBef>
+                <a:spcPts val="360"/>
+              </a:spcBef>
+              <a:buNone/>
+              <a:defRPr lang="fr-fr" sz="1505" cap="none"/>
+            </a:pPr>
+            <a:r>
+              <a:t>stopping_rules[1] = srMaxIteration(200000)</a:t>
+            </a:r>
+          </a:p>
+          <a:p>
+            <a:pPr>
+              <a:lnSpc>
+                <a:spcPct val="80000"/>
+              </a:lnSpc>
+              <a:spcBef>
+                <a:spcPts val="360"/>
+              </a:spcBef>
+              <a:buNone/>
+              <a:defRPr lang="fr-fr" sz="1505" cap="none"/>
+            </a:pPr>
+            <a:r>
+              <a:t>stopping_rules[2] = srMaxTime(15,"hours")</a:t>
+            </a:r>
+          </a:p>
+          <a:p>
+            <a:pPr>
+              <a:lnSpc>
+                <a:spcPct val="80000"/>
+              </a:lnSpc>
+              <a:spcBef>
+                <a:spcPts val="360"/>
+              </a:spcBef>
+              <a:buNone/>
+              <a:defRPr lang="fr-fr" sz="1505" cap="none"/>
+            </a:pPr>
+            <a:r>
+              <a:t>stopping_rules[3] = srMinESS(50,myOutputFile,10000)</a:t>
+            </a:r>
+          </a:p>
+          <a:p>
+            <a:pPr>
+              <a:lnSpc>
+                <a:spcPct val="80000"/>
+              </a:lnSpc>
+              <a:spcBef>
+                <a:spcPts val="360"/>
+              </a:spcBef>
+              <a:buNone/>
+              <a:defRPr lang="fr-fr" sz="1505" cap="none"/>
+            </a:pPr>
+            <a:r>
+              <a:t>stopping_rules[4] = srGelmanRubin(1.01,myOutputFile,10000)</a:t>
+            </a:r>
+          </a:p>
+          <a:p>
+            <a:pPr>
+              <a:lnSpc>
+                <a:spcPct val="80000"/>
+              </a:lnSpc>
+              <a:spcBef>
+                <a:spcPts val="360"/>
+              </a:spcBef>
+              <a:buNone/>
+              <a:defRPr lang="fr-fr" sz="1505" cap="none"/>
+            </a:pPr>
+            <a:r>
+              <a:t>stopping_rules[5] = srGeweke(prob=0.001, file=myOutputFile,freq=10000)</a:t>
+            </a:r>
+          </a:p>
+          <a:p>
+            <a:pPr>
+              <a:lnSpc>
+                <a:spcPct val="80000"/>
+              </a:lnSpc>
+              <a:spcBef>
+                <a:spcPts val="360"/>
+              </a:spcBef>
+              <a:buNone/>
+              <a:defRPr lang="fr-fr" sz="1505" cap="none"/>
+            </a:pPr>
+            <a:r>
+              <a:t>stopping_rules[6] = srStationarity(prob=0.01, file=myOutputFile,freq=10000)</a:t>
+            </a:r>
           </a:p>
         </p:txBody>
       </p:sp>
@@ -13214,7 +13138,278 @@
             <a:spLocks noGrp="1" noChangeArrowheads="1"/>
             <a:extLst>
               <a:ext uri="smNativeData">
-                <pr:smNativeData xmlns:pr="smNativeData" xmlns="smNativeData" val="SMDATA_15_JtjWYhMAAAAlAAAAZAAAAA0AAAAAkAAAAEgAAACQAAAASAAAAAAAAAABAAAAAAAAAAEAAABQAAAAAAAAAAAA4D8AAAAAAADgPwAAAAAAAOA/AAAAAAAA4D8AAAAAAADgPwAAAAAAAOA/AAAAAAAA4D8AAAAAAADgPwAAAAAAAOA/AAAAAAAA4D8CAAAAjAAAAAAAAAAAAAAAT4G9DP///wgAAAAAAAAAAAAAAAAAAAAAAAAAAAAAAAAAAAAAZAAAAAEAAABAAAAAAAAAAAAAAAAAAAAAAAAAAAAAAAAAAAAAAAAAAAAAAAAAAAAAAAAAAAAAAAAAAAAAAAAAAAAAAAAAAAAAAAAAAAAAAAAAAAAAAAAAAAAAAAAAAAAAFAAAADwAAAAAAAAAAAAAAAAAAAkUAAAAAQAAABQAAAAUAAAAFAAAAAEAAAAAAAAAZAAAAGQAAAAAAAAAZAAAAGQAAAAVAAAAYAAAAAAAAAAAAAAADwAAACADAAAAAAAAAAAAAAEAAACgMgAAVgcAAKr4//8BAAAAf39/AAEAAABkAAAAAAAAABQAAABAHwAAAAAAACYAAAAAAAAAwOD//wAAAAAmAAAAZAAAABYAAABMAAAAAAAAAAAAAAAEAAAAAAAAAAEAAADu7OEKAAAAACgAAAAoAAAAZAAAAGQAAAAAAAAAzMzMAAAAAABQAAAAUAAAAGQAAABkAAAAAAAAABcAAAAUAAAAAAAAAAAAAAD/fwAA/38AAAAAAAAJAAAABAAAAAAAAAEeAAAAaAAAAAAAAAAAAAAAAAAAAAAAAAAAAAAAECcAABAnAAAAAAAAAAAAAAAAAAAAAAAAAAAAAAAAAAAAAAAAAAAAABQAAAAAAAAAwMD/AAAAAABkAAAAMgAAAAAAAABkAAAAAAAAAH9/fwAKAAAAIgAAABgAAAAAAAAAAAAAAAAAAAAAAAAAAAAAAAAAAAAkAAAAJAAAAAAAAAAHAAAAAAAAAAAAAAAAAAAAAAAAAAAAAAAAAAAAf39/ACUAAABYAAAAAAAAAAAAAAAAAAAAAAAAAAAAAAAAAAAAAAAAAAAAAAAAAAAAAAAAAAAAAAA/AAAAAAAAAKCGAQAAAAAAAAAAAAAAAAAMAAAAAQAAAAAAAAAAAAAAAAAAAB8AAABUAAAAT4G9Bf///wEAAAAAAAAAAAAAAAAAAAAAAAAAAAAAAAAAAAAAAAAAAAAAAAJ/f38A7uzhA8zMzADAwP8Af39/AAAAAAAAAAAAAAAAAAAAAAAAAAAAIQAAABgAAAAUAAAA0AIAAAAAAABwNQAACAcAABAAAAAmAAAACAAAAAEAAAAAAAAA"/>
+                <pr:smNativeData xmlns:pr="smNativeData" xmlns="smNativeData" val="SMDATA_15_iunWYhMAAAAlAAAAZAAAAA0AAAAAkAAAAEgAAACQAAAASAAAAAAAAAABAAAAAAAAAAEAAABQAAAAAAAAAAAA4D8AAAAAAADgPwAAAAAAAOA/AAAAAAAA4D8AAAAAAADgPwAAAAAAAOA/AAAAAAAA4D8AAAAAAADgPwAAAAAAAOA/AAAAAAAA4D8CAAAAjAAAAAAAAAAAAAAAT4G9DP///wgAAAAAAAAAAAAAAAAAAAAAAAAAAAAAAAAAAAAAZAAAAAEAAABAAAAAAAAAAAAAAAAAAAAAAAAAAAAAAAAAAAAAAAAAAAAAAAAAAAAAAAAAAAAAAAAAAAAAAAAAAAAAAAAAAAAAAAAAAAAAAAAAAAAAAAAAAAAAAAAAAAAAFAAAADwAAAAAAAAAAAAAAAAAAAkUAAAAAQAAABQAAAAUAAAAFAAAAAEAAAAAAAAAZAAAAGQAAAAAAAAAZAAAAGQAAAAVAAAAYAAAAAAAAAAAAAAADwAAACADAAAAAAAAAAAAAAEAAACgMgAAVgcAAKr4//8BAAAAf39/AAEAAABkAAAAAAAAABQAAABAHwAAAAAAACYAAAAAAAAAwOD//wAAAAAmAAAAZAAAABYAAABMAAAAAAAAAAAAAAAEAAAAAAAAAAEAAADu7OEKAAAAACgAAAAoAAAAZAAAAGQAAAAAAAAAzMzMAAAAAABQAAAAUAAAAGQAAABkAAAAAAAAABcAAAAUAAAAAAAAAAAAAAD/fwAA/38AAAAAAAAJAAAABAAAAAAAAAAeAAAAaAAAAAAAAAAAAAAAAAAAAAAAAAAAAAAAECcAABAnAAAAAAAAAAAAAAAAAAAAAAAAAAAAAAAAAAAAAAAAAAAAABQAAAAAAAAAwMD/AAAAAABkAAAAMgAAAAAAAABkAAAAAAAAAH9/fwAKAAAAIgAAABgAAAAAAAAAAAAAAAAAAAAAAAAAAAAAAAAAAAAkAAAAJAAAAAAAAAAHAAAAAAAAAAAAAAAAAAAAAAAAAAAAAAAAAAAAf39/ACUAAABYAAAAAAAAAAAAAAAAAAAAAAAAAAAAAAAAAAAAAAAAAAAAAAAAAAAAAAAAAAAAAAA/AAAAAAAAAKCGAQAAAAAAAAAAAAAAAAAMAAAAAQAAAAAAAAAAAAAAAAAAAB8AAABUAAAAT4G9Bf///wEAAAAAAAAAAAAAAAAAAAAAAAAAAAAAAAAAAAAAAAAAAAAAAAJ/f38A7uzhA8zMzADAwP8Af39/AAAAAAAAAAAAAAAAAAAAAAAAAAAAIQAAABgAAAAUAAAA0AIAALEBAABwNQAAuQgAABAAAAAmAAAACAAAAAAAAAAAAAAA"/>
+              </a:ext>
+            </a:extLst>
+          </p:cNvSpPr>
+          <p:nvPr>
+            <p:ph type="title"/>
+          </p:nvPr>
+        </p:nvSpPr>
+        <p:spPr/>
+        <p:txBody>
+          <a:bodyPr/>
+          <a:lstStyle/>
+          <a:p>
+            <a:pPr>
+              <a:defRPr lang="fr-fr"/>
+            </a:pPr>
+            <a:r>
+              <a:t>Performing inference</a:t>
+            </a:r>
+          </a:p>
+        </p:txBody>
+      </p:sp>
+      <p:sp>
+        <p:nvSpPr>
+          <p:cNvPr id="3" name="Espace réservé du contenu 2"/>
+          <p:cNvSpPr>
+            <a:spLocks noGrp="1" noChangeArrowheads="1"/>
+            <a:extLst>
+              <a:ext uri="smNativeData">
+                <pr:smNativeData xmlns:pr="smNativeData" xmlns="smNativeData" val="SMDATA_15_iunWYhMAAAAlAAAAZAAAAA0AAAAAkAAAAEgAAACQAAAASAAAAAAAAAAAAAAAAAAAAAEAAABQAAAAAAAAAAAA4D8AAAAAAADgPwAAAAAAAOA/AAAAAAAA4D8AAAAAAADgPwAAAAAAAOA/AAAAAAAA4D8AAAAAAADgPwAAAAAAAOA/AAAAAAAA4D8CAAAAjAAAAAAAAAAAAAAAT4G9DP///wgAAAAAAAAAAAAAAAAAAAAAAAAAAAAAAAAAAAAAZAAAAAEAAABAAAAAAAAAAAAAAAAAAAAAAAAAAAAAAAAAAAAAAAAAAAAAAAAAAAAAAAAAAAAAAAAAAAAAAAAAAAAAAAAAAAAAAAAAAAAAAAAAAAAAAAAAAAAAAAAAAAAAFAAAADwAAAAAAAAAAAAAAAAAAAkUAAAAAQAAABQAAAAUAAAAFAAAAAEAAAAAAAAAZAAAAGQAAAAAAAAAZAAAAGQAAAAVAAAAYAAAAAAAAAAAAAAADwAAACADAAAAAAAAAAAAAAEAAACgMgAAVgcAAKr4//8BAAAAf39/AAEAAABkAAAAAAAAABQAAABAHwAAAAAAACYAAAAAAAAAwOD//wAAAAAmAAAAZAAAABYAAABMAAAAAAAAAAAAAAAEAAAAAAAAAAEAAADu7OEKAAAAACgAAAAoAAAAZAAAAGQAAAAAAAAAzMzMAAAAAABQAAAAUAAAAGQAAABkAAAAAAAAABcAAAAUAAAAAAAAAAAAAAD/fwAA/38AAAAAAAAJAAAABAAAAAAAAAAeAAAAaAAAAAAAAAAAAAAAAAAAAAAAAAAAAAAAECcAABAnAAAAAAAAAAAAAAAAAAAAAAAAAAAAAAAAAAAAAAAAAAAAABQAAAAAAAAAwMD/AAAAAABkAAAAMgAAAAAAAABkAAAAAAAAAH9/fwAKAAAAIgAAABgAAAAAAAAAAAAAAAAAAAAAAAAAAAAAAAAAAAAkAAAAJAAAAAAAAAAHAAAAAAAAAAAAAAAAAAAAAAAAAAAAAAAAAAAAf39/ACUAAABYAAAAAAAAAAAAAAAAAAAAAAAAAAAAAAAAAAAAAAAAAAAAAAAAAAAAAAAAAAAAAAA/AAAAAAAAAKCGAQAAAAAAAAAAAAAAAAAMAAAAAQAAAAAAAAAAAAAAAAAAAB8AAABUAAAAT4G9Bf///wEAAAAAAAAAAAAAAAAAAAAAAAAAAAAAAAAAAAAAAAAAAAAAAAJ/f38A7uzhA8zMzADAwP8Af39/AAAAAAAAAAAAAAAAAAAAAAAAAAAAIQAAABgAAAAUAAAA0AIAANgJAABwNQAAPCgAABAAAAAmAAAACAAAAAEgAAAAAAAA"/>
+              </a:ext>
+            </a:extLst>
+          </p:cNvSpPr>
+          <p:nvPr>
+            <p:ph type="body" idx="1"/>
+          </p:nvPr>
+        </p:nvSpPr>
+        <p:spPr>
+          <a:xfrm>
+            <a:off x="457200" y="1600200"/>
+            <a:ext cx="8229600" cy="4940300"/>
+          </a:xfrm>
+        </p:spPr>
+        <p:txBody>
+          <a:bodyPr vert="horz" wrap="square" lIns="91440" tIns="45720" rIns="91440" bIns="45720" numCol="1" spcCol="215900" anchor="t">
+            <a:prstTxWarp prst="textNoShape">
+              <a:avLst/>
+            </a:prstTxWarp>
+          </a:bodyPr>
+          <a:lstStyle/>
+          <a:p>
+            <a:pPr>
+              <a:lnSpc>
+                <a:spcPct val="80000"/>
+              </a:lnSpc>
+              <a:spcBef>
+                <a:spcPts val="535"/>
+              </a:spcBef>
+              <a:buNone/>
+              <a:defRPr lang="fr-fr" sz="2240" cap="none"/>
+            </a:pPr>
+            <a:r>
+              <a:t># Creating the MCMC object</a:t>
+            </a:r>
+          </a:p>
+          <a:p>
+            <a:pPr>
+              <a:lnSpc>
+                <a:spcPct val="80000"/>
+              </a:lnSpc>
+              <a:spcBef>
+                <a:spcPts val="535"/>
+              </a:spcBef>
+              <a:buNone/>
+              <a:defRPr lang="fr-fr" sz="2240" cap="none"/>
+            </a:pPr>
+            <a:r>
+              <a:t>mymcmc = mcmc(mymodel, monitors, moves, moveschedule="random", nruns=2)</a:t>
+            </a:r>
+          </a:p>
+          <a:p>
+            <a:pPr>
+              <a:lnSpc>
+                <a:spcPct val="80000"/>
+              </a:lnSpc>
+              <a:spcBef>
+                <a:spcPts val="535"/>
+              </a:spcBef>
+              <a:buNone/>
+              <a:defRPr lang="fr-fr" sz="2240" cap="none"/>
+            </a:pPr>
+          </a:p>
+          <a:p>
+            <a:pPr>
+              <a:lnSpc>
+                <a:spcPct val="80000"/>
+              </a:lnSpc>
+              <a:spcBef>
+                <a:spcPts val="535"/>
+              </a:spcBef>
+              <a:buNone/>
+              <a:defRPr lang="fr-fr" sz="2240" cap="none"/>
+            </a:pPr>
+            <a:r>
+              <a:t># Alternatively we could create a MCMCMC object</a:t>
+            </a:r>
+          </a:p>
+          <a:p>
+            <a:pPr>
+              <a:lnSpc>
+                <a:spcPct val="80000"/>
+              </a:lnSpc>
+              <a:spcBef>
+                <a:spcPts val="535"/>
+              </a:spcBef>
+              <a:buNone/>
+              <a:defRPr lang="fr-fr" sz="2240" cap="none"/>
+            </a:pPr>
+            <a:r>
+              <a:t>#or mymcmc = mcmcmc(mymodel, monitors, moves, moveschedule="random", nchains=4, nruns=1)</a:t>
+            </a:r>
+          </a:p>
+          <a:p>
+            <a:pPr>
+              <a:lnSpc>
+                <a:spcPct val="80000"/>
+              </a:lnSpc>
+              <a:spcBef>
+                <a:spcPts val="535"/>
+              </a:spcBef>
+              <a:buNone/>
+              <a:defRPr lang="fr-fr" sz="2240" cap="none"/>
+            </a:pPr>
+          </a:p>
+          <a:p>
+            <a:pPr>
+              <a:lnSpc>
+                <a:spcPct val="80000"/>
+              </a:lnSpc>
+              <a:spcBef>
+                <a:spcPts val="535"/>
+              </a:spcBef>
+              <a:buNone/>
+              <a:defRPr lang="fr-fr" sz="2240" cap="none"/>
+            </a:pPr>
+            <a:r>
+              <a:t># Running the analysis: first some burnin...</a:t>
+            </a:r>
+          </a:p>
+          <a:p>
+            <a:pPr>
+              <a:lnSpc>
+                <a:spcPct val="80000"/>
+              </a:lnSpc>
+              <a:spcBef>
+                <a:spcPts val="535"/>
+              </a:spcBef>
+              <a:buNone/>
+              <a:defRPr lang="fr-fr" sz="2240" cap="none"/>
+            </a:pPr>
+            <a:r>
+              <a:t>mymcmc.burnin(generations=10000,200)</a:t>
+            </a:r>
+          </a:p>
+          <a:p>
+            <a:pPr>
+              <a:lnSpc>
+                <a:spcPct val="80000"/>
+              </a:lnSpc>
+              <a:spcBef>
+                <a:spcPts val="535"/>
+              </a:spcBef>
+              <a:buNone/>
+              <a:defRPr lang="fr-fr" sz="2240" cap="none"/>
+            </a:pPr>
+          </a:p>
+          <a:p>
+            <a:pPr>
+              <a:lnSpc>
+                <a:spcPct val="80000"/>
+              </a:lnSpc>
+              <a:spcBef>
+                <a:spcPts val="535"/>
+              </a:spcBef>
+              <a:buNone/>
+              <a:defRPr lang="fr-fr" sz="2240" cap="none"/>
+            </a:pPr>
+            <a:r>
+              <a:t># Then the real thing</a:t>
+            </a:r>
+          </a:p>
+          <a:p>
+            <a:pPr>
+              <a:lnSpc>
+                <a:spcPct val="80000"/>
+              </a:lnSpc>
+              <a:spcBef>
+                <a:spcPts val="535"/>
+              </a:spcBef>
+              <a:buNone/>
+              <a:defRPr lang="fr-fr" sz="2240" cap="none"/>
+            </a:pPr>
+            <a:r>
+              <a:t>mymcmc.run(stopping_rules)</a:t>
+            </a:r>
+          </a:p>
+          <a:p>
+            <a:pPr>
+              <a:lnSpc>
+                <a:spcPct val="80000"/>
+              </a:lnSpc>
+              <a:spcBef>
+                <a:spcPts val="535"/>
+              </a:spcBef>
+              <a:buNone/>
+              <a:defRPr lang="fr-fr" sz="2240" cap="none"/>
+            </a:pPr>
+          </a:p>
+          <a:p>
+            <a:pPr>
+              <a:lnSpc>
+                <a:spcPct val="80000"/>
+              </a:lnSpc>
+              <a:spcBef>
+                <a:spcPts val="535"/>
+              </a:spcBef>
+              <a:buNone/>
+              <a:defRPr lang="fr-fr" sz="2240" cap="none"/>
+            </a:pPr>
+          </a:p>
+        </p:txBody>
+      </p:sp>
+    </p:spTree>
+  </p:cSld>
+  <p:clrMapOvr>
+    <a:masterClrMapping/>
+  </p:clrMapOvr>
+  <p:timing>
+    <p:tnLst>
+      <p:par>
+        <p:cTn id="1" dur="indefinite" restart="never" nodeType="tmRoot"/>
+      </p:par>
+    </p:tnLst>
+  </p:timing>
+</p:sld>
+</file>
+
+<file path=ppt/slides/slide36.xml><?xml version="1.0" encoding="utf-8"?>
+<p:sld xmlns:p="http://schemas.openxmlformats.org/presentationml/2006/main" xmlns:mc="http://schemas.openxmlformats.org/markup-compatibility/2006" xmlns:p14="http://schemas.microsoft.com/office/powerpoint/2010/main" xmlns:p15="http://schemas.microsoft.com/office/powerpoint/2012/main" xmlns:r="http://schemas.openxmlformats.org/officeDocument/2006/relationships" xmlns:a="http://schemas.openxmlformats.org/drawingml/2006/main" mc:Ignorable="p14" show="0">
+  <p:cSld>
+    <p:spTree>
+      <p:nvGrpSpPr>
+        <p:cNvPr id="1" name=""/>
+        <p:cNvGrpSpPr/>
+        <p:nvPr/>
+      </p:nvGrpSpPr>
+      <p:grpSpPr>
+        <a:xfrm>
+          <a:off x="0" y="0"/>
+          <a:ext cx="0" cy="0"/>
+          <a:chOff x="0" y="0"/>
+          <a:chExt cx="0" cy="0"/>
+        </a:xfrm>
+      </p:grpSpPr>
+      <p:sp>
+        <p:nvSpPr>
+          <p:cNvPr id="2" name="Titre 1"/>
+          <p:cNvSpPr>
+            <a:spLocks noGrp="1" noChangeArrowheads="1"/>
+            <a:extLst>
+              <a:ext uri="smNativeData">
+                <pr:smNativeData xmlns:pr="smNativeData" xmlns="smNativeData" val="SMDATA_15_iunWYhMAAAAlAAAAZAAAAA0AAAAAkAAAAEgAAACQAAAASAAAAAAAAAABAAAAAAAAAAEAAABQAAAAAAAAAAAA4D8AAAAAAADgPwAAAAAAAOA/AAAAAAAA4D8AAAAAAADgPwAAAAAAAOA/AAAAAAAA4D8AAAAAAADgPwAAAAAAAOA/AAAAAAAA4D8CAAAAjAAAAAAAAAAAAAAAT4G9DP///wgAAAAAAAAAAAAAAAAAAAAAAAAAAAAAAAAAAAAAZAAAAAEAAABAAAAAAAAAAAAAAAAAAAAAAAAAAAAAAAAAAAAAAAAAAAAAAAAAAAAAAAAAAAAAAAAAAAAAAAAAAAAAAAAAAAAAAAAAAAAAAAAAAAAAAAAAAAAAAAAAAAAAFAAAADwAAAAAAAAAAAAAAAAAAAkUAAAAAQAAABQAAAAUAAAAFAAAAAEAAAAAAAAAZAAAAGQAAAAAAAAAZAAAAGQAAAAVAAAAYAAAAAAAAAAAAAAADwAAACADAAAAAAAAAAAAAAEAAACgMgAAVgcAAKr4//8BAAAAf39/AAEAAABkAAAAAAAAABQAAABAHwAAAAAAACYAAAAAAAAAwOD//wAAAAAmAAAAZAAAABYAAABMAAAAAAAAAAAAAAAEAAAAAAAAAAEAAADu7OEKAAAAACgAAAAoAAAAZAAAAGQAAAAAAAAAzMzMAAAAAABQAAAAUAAAAGQAAABkAAAAAAAAABcAAAAUAAAAAAAAAAAAAAD/fwAA/38AAAAAAAAJAAAABAAAAAAAAAEeAAAAaAAAAAAAAAAAAAAAAAAAAAAAAAAAAAAAECcAABAnAAAAAAAAAAAAAAAAAAAAAAAAAAAAAAAAAAAAAAAAAAAAABQAAAAAAAAAwMD/AAAAAABkAAAAMgAAAAAAAABkAAAAAAAAAH9/fwAKAAAAIgAAABgAAAAAAAAAAAAAAAAAAAAAAAAAAAAAAAAAAAAkAAAAJAAAAAAAAAAHAAAAAAAAAAAAAAAAAAAAAAAAAAAAAAAAAAAAf39/ACUAAABYAAAAAAAAAAAAAAAAAAAAAAAAAAAAAAAAAAAAAAAAAAAAAAAAAAAAAAAAAAAAAAA/AAAAAAAAAKCGAQAAAAAAAAAAAAAAAAAMAAAAAQAAAAAAAAAAAAAAAAAAAB8AAABUAAAAT4G9Bf///wEAAAAAAAAAAAAAAAAAAAAAAAAAAAAAAAAAAAAAAAAAAAAAAAJ/f38A7uzhA8zMzADAwP8Af39/AAAAAAAAAAAAAAAAAAAAAAAAAAAAIQAAABgAAAAUAAAA0AIAAAAAAABwNQAACAcAABAAAAAmAAAACAAAAAEAAAAAAAAA"/>
               </a:ext>
             </a:extLst>
           </p:cNvSpPr>
@@ -13248,7 +13443,7 @@
             <a:picLocks noChangeAspect="1"/>
             <a:extLst>
               <a:ext uri="smNativeData">
-                <pr:smNativeData xmlns:pr="smNativeData" xmlns="smNativeData" val="SMDATA_17_JtjWYhMAAAAlAAAAEQAAAC0AAAAAkAAAAEgAAACQAAAASAAAAAAAAAAAAAAAAAAAAAEAAABQAAAAAAAAAAAA4D8AAAAAAADgPwAAAAAAAOA/AAAAAAAA4D8AAAAAAADgPwAAAAAAAOA/AAAAAAAA4D8AAAAAAADgPwAAAAAAAOA/AAAAAAAA4D8CAAAAjAAAAAAAAAAAAAAAT4G9DP///wgAAAAAAAAAAAAAAAAAAAAAAAAAAAAAAAAAAAAAZAAAAAEAAABAAAAAAAAAAAAAAAAAAAAAAAAAAAAAAAAAAAAAAAAAAAAAAAAAAAAAAAAAAAAAAAAAAAAAAAAAAAAAAAAAAAAAAAAAAAAAAAAAAAAAAAAAAAAAAAAAAAAAFAAAADwAAAAAAAAAAAAAAAAAAAkUAAAAAQAAABQAAAAUAAAAFAAAAAEAAAAAAAAAZAAAAGQAAAAAAAAAZAAAAGQAAAAVAAAAYAAAAAAAAAAAAAAADwAAACADAAAAAAAAAAAAAAEAAACgMgAAVgcAAKr4//8BAAAAf39/AAEAAABkAAAAAAAAABQAAABAHwAAAAAAACYAAAAAAAAAwOD//wAAAAAmAAAAZAAAABYAAABMAAAAAAAAAAAAAAAEAAAAAAAAAAEAAADu7OEKAAAAACgAAAAoAAAAZAAAAGQAAAAAAAAAzMzMAAAAAABQAAAAUAAAAGQAAABkAAAAAAAAAAcAAAA4AAAAAAAAAAAAAAAAAAAA////AAAAAAAAAAAAAAAAAAAAAAAAAAAAAAAAAAAAAABkAAAAZAAAAAAAAAAjAAAABAAAAGQAAAAXAAAAFAAAAAAAAAAAAAAA/38AAP9/AAAAAAAACQAAAAQAAAAAAAAAHgAAAGgAAAAAAAAAAAAAAAAAAAAAAAAAAAAAABAnAAAQJwAAAAAAAAAAAAAAAAAAAAAAAAAAAAAAAAAAAAAAAAAAAAAUAAAAAAAAAMDA/wAAAAAAZAAAADIAAAAAAAAAZAAAAAAAAAB/f38ACgAAACIAAAAYAAAAAAAAAAAAAAAAAAAAAAAAAAAAAAAAAAAAJAAAACQAAAAAAAAABwAAAAAAAAAAAAAAAAAAAAAAAAAAAAAAAAAAAH9/fwAlAAAAWAAAAAAAAAAAAAAAAAAAAAAAAAAAAAAAAAAAAAAAAAAAAAAAAAAAAAAAAAAAAAAAPwAAAAAAAACghgEAAAAAAAAAAAAAAAAADAAAAAEAAAAAAAAAAAAAAAAAAAAfAAAAVAAAAE+BvQX///8BAAAAAAAAAAAAAAAAAAAAAAAAAAAAAAAAAAAAAAAAAAAAAAACf39/AO7s4QPMzMwAwMD/AH9/fwAAAAAAAAAAAAAAAAD///8AAAAAACEAAAAYAAAAFAAAAAAAAACSBgAA6BUAAAEVAAAQAAAAJgAAAAgAAAD//////////w=="/>
+                <pr:smNativeData xmlns:pr="smNativeData" xmlns="smNativeData" val="SMDATA_17_iunWYhMAAAAlAAAAEQAAAC0AAAAAkAAAAEgAAACQAAAASAAAAAAAAAAAAAAAAAAAAAEAAABQAAAAAAAAAAAA4D8AAAAAAADgPwAAAAAAAOA/AAAAAAAA4D8AAAAAAADgPwAAAAAAAOA/AAAAAAAA4D8AAAAAAADgPwAAAAAAAOA/AAAAAAAA4D8CAAAAjAAAAAAAAAAAAAAAT4G9DP///wgAAAAAAAAAAAAAAAAAAAAAAAAAAAAAAAAAAAAAZAAAAAEAAABAAAAAAAAAAAAAAAAAAAAAAAAAAAAAAAAAAAAAAAAAAAAAAAAAAAAAAAAAAAAAAAAAAAAAAAAAAAAAAAAAAAAAAAAAAAAAAAAAAAAAAAAAAAAAAAAAAAAAFAAAADwAAAAAAAAAAAAAAAAAAAkUAAAAAQAAABQAAAAUAAAAFAAAAAEAAAAAAAAAZAAAAGQAAAAAAAAAZAAAAGQAAAAVAAAAYAAAAAAAAAAAAAAADwAAACADAAAAAAAAAAAAAAEAAACgMgAAVgcAAKr4//8BAAAAf39/AAEAAABkAAAAAAAAABQAAABAHwAAAAAAACYAAAAAAAAAwOD//wAAAAAmAAAAZAAAABYAAABMAAAAAAAAAAAAAAAEAAAAAAAAAAEAAADu7OEKAAAAACgAAAAoAAAAZAAAAGQAAAAAAAAAzMzMAAAAAABQAAAAUAAAAGQAAABkAAAAAAAAAAcAAAA4AAAAAAAAAAAAAAAAAAAA////AAAAAAAAAAAAAAAAAAAAAAAAAAAAAAAAAAAAAABkAAAAZAAAAAAAAAAjAAAABAAAAGQAAAAXAAAAFAAAAAAAAAAAAAAA/38AAP9/AAAAAAAACQAAAAQAAAAAAAAAHgAAAGgAAAAAAAAAAAAAAAAAAAAAAAAAAAAAABAnAAAQJwAAAAAAAAAAAAAAAAAAAAAAAAAAAAAAAAAAAAAAAAAAAAAUAAAAAAAAAMDA/wAAAAAAZAAAADIAAAAAAAAAZAAAAAAAAAB/f38ACgAAACIAAAAYAAAAAAAAAAAAAAAAAAAAAAAAAAAAAAAAAAAAJAAAACQAAAAAAAAABwAAAAAAAAAAAAAAAAAAAAAAAAAAAAAAAAAAAH9/fwAlAAAAWAAAAAAAAAAAAAAAAAAAAAAAAAAAAAAAAAAAAAAAAAAAAAAAAAAAAAAAAAAAAAAAPwAAAAAAAACghgEAAAAAAAAAAAAAAAAADAAAAAEAAAAAAAAAAAAAAAAAAAAfAAAAVAAAAE+BvQX///8BAAAAAAAAAAAAAAAAAAAAAAAAAAAAAAAAAAAAAAAAAAAAAAACf39/AO7s4QPMzMwAwMD/AH9/fwAAAAAAAAAAAAAAAAD///8AAAAAACEAAAAYAAAAFAAAAAAAAACSBgAA6BUAAAEVAAAQAAAAJgAAAAgAAAD//////////w=="/>
               </a:ext>
             </a:extLst>
           </p:cNvPicPr>
@@ -13282,7 +13477,7 @@
             <a:picLocks noChangeAspect="1"/>
             <a:extLst>
               <a:ext uri="smNativeData">
-                <pr:smNativeData xmlns:pr="smNativeData" xmlns="smNativeData" val="SMDATA_17_JtjWYhMAAAAlAAAAEQAAAC0AAAAAkAAAAEgAAACQAAAASAAAAAAAAAAAAAAAAAAAAAEAAABQAAAAAAAAAAAA4D8AAAAAAADgPwAAAAAAAOA/AAAAAAAA4D8AAAAAAADgPwAAAAAAAOA/AAAAAAAA4D8AAAAAAADgPwAAAAAAAOA/AAAAAAAA4D8CAAAAjAAAAAAAAAAAAAAAT4G9DP///wgAAAAAAAAAAAAAAAAAAAAAAAAAAAAAAAAAAAAAZAAAAAEAAABAAAAAAAAAAAAAAAAAAAAAAAAAAAAAAAAAAAAAAAAAAAAAAAAAAAAAAAAAAAAAAAAAAAAAAAAAAAAAAAAAAAAAAAAAAAAAAAAAAAAAAAAAAAAAAAAAAAAAFAAAADwAAAAAAAAAAAAAAAAAAAkUAAAAAQAAABQAAAAUAAAAFAAAAAEAAAAAAAAAZAAAAGQAAAAAAAAAZAAAAGQAAAAVAAAAYAAAAAAAAAAAAAAADwAAACADAAAAAAAAAAAAAAEAAACgMgAAVgcAAKr4//8BAAAAf39/AAEAAABkAAAAAAAAABQAAABAHwAAAAAAACYAAAAAAAAAwOD//wAAAAAmAAAAZAAAABYAAABMAAAAAAAAAAAAAAAEAAAAAAAAAAEAAADu7OEKAAAAACgAAAAoAAAAZAAAAGQAAAAAAAAAzMzMAAAAAABQAAAAUAAAAGQAAABkAAAAAAAAAAcAAAA4AAAAAAAAAAAAAAAAAAAA////AAAAAAAAAAAAAAAAAAAAAAAAAAAAAAAAAAAAAABkAAAAZAAAAAAAAAAjAAAABAAAAGQAAAAXAAAAFAAAAAAAAAAAAAAA/38AAP9/AAAAAAAACQAAAAQAAAAAAAAAHgAAAGgAAAAAAAAAAAAAAAAAAAAAAAAAAAAAABAnAAAQJwAAAAAAAAAAAAAAAAAAAAAAAAAAAAAAAAAAAAAAAAAAAAAUAAAAAAAAAMDA/wAAAAAAZAAAADIAAAAAAAAAZAAAAAAAAAB/f38ACgAAACIAAAAYAAAAAAAAAAAAAAAAAAAAAAAAAAAAAAAAAAAAJAAAACQAAAAAAAAABwAAAAAAAAAAAAAAAAAAAAAAAAAAAAAAAAAAAH9/fwAlAAAAWAAAAAAAAAAAAAAAAAAAAAAAAAAAAAAAAAAAAAAAAAAAAAAAAAAAAAAAAAAAAAAAPwAAAAAAAACghgEAAAAAAAAAAAAAAAAADAAAAAEAAAAAAAAAAAAAAAAAAAAfAAAAVAAAAE+BvQX///8BAAAAAAAAAAAAAAAAAAAAAAAAAAAAAAAAAAAAAAAAAAAAAAACf39/AO7s4QPMzMwAwMD/AH9/fwAAAAAAAAAAAAAAAAD///8AAAAAACEAAAAYAAAAFAAAAAAAAABcFwAA4BUAAM0lAAAQAAAAJgAAAAgAAAD//////////w=="/>
+                <pr:smNativeData xmlns:pr="smNativeData" xmlns="smNativeData" val="SMDATA_17_iunWYhMAAAAlAAAAEQAAAC0AAAAAkAAAAEgAAACQAAAASAAAAAAAAAAAAAAAAAAAAAEAAABQAAAAAAAAAAAA4D8AAAAAAADgPwAAAAAAAOA/AAAAAAAA4D8AAAAAAADgPwAAAAAAAOA/AAAAAAAA4D8AAAAAAADgPwAAAAAAAOA/AAAAAAAA4D8CAAAAjAAAAAAAAAAAAAAAT4G9DP///wgAAAAAAAAAAAAAAAAAAAAAAAAAAAAAAAAAAAAAZAAAAAEAAABAAAAAAAAAAAAAAAAAAAAAAAAAAAAAAAAAAAAAAAAAAAAAAAAAAAAAAAAAAAAAAAAAAAAAAAAAAAAAAAAAAAAAAAAAAAAAAAAAAAAAAAAAAAAAAAAAAAAAFAAAADwAAAAAAAAAAAAAAAAAAAkUAAAAAQAAABQAAAAUAAAAFAAAAAEAAAAAAAAAZAAAAGQAAAAAAAAAZAAAAGQAAAAVAAAAYAAAAAAAAAAAAAAADwAAACADAAAAAAAAAAAAAAEAAACgMgAAVgcAAKr4//8BAAAAf39/AAEAAABkAAAAAAAAABQAAABAHwAAAAAAACYAAAAAAAAAwOD//wAAAAAmAAAAZAAAABYAAABMAAAAAAAAAAAAAAAEAAAAAAAAAAEAAADu7OEKAAAAACgAAAAoAAAAZAAAAGQAAAAAAAAAzMzMAAAAAABQAAAAUAAAAGQAAABkAAAAAAAAAAcAAAA4AAAAAAAAAAAAAAAAAAAA////AAAAAAAAAAAAAAAAAAAAAAAAAAAAAAAAAAAAAABkAAAAZAAAAAAAAAAjAAAABAAAAGQAAAAXAAAAFAAAAAAAAAAAAAAA/38AAP9/AAAAAAAACQAAAAQAAAAAAAAAHgAAAGgAAAAAAAAAAAAAAAAAAAAAAAAAAAAAABAnAAAQJwAAAAAAAAAAAAAAAAAAAAAAAAAAAAAAAAAAAAAAAAAAAAAUAAAAAAAAAMDA/wAAAAAAZAAAADIAAAAAAAAAZAAAAAAAAAB/f38ACgAAACIAAAAYAAAAAAAAAAAAAAAAAAAAAAAAAAAAAAAAAAAAJAAAACQAAAAAAAAABwAAAAAAAAAAAAAAAAAAAAAAAAAAAAAAAAAAAH9/fwAlAAAAWAAAAAAAAAAAAAAAAAAAAAAAAAAAAAAAAAAAAAAAAAAAAAAAAAAAAAAAAAAAAAAAPwAAAAAAAACghgEAAAAAAAAAAAAAAAAADAAAAAEAAAAAAAAAAAAAAAAAAAAfAAAAVAAAAE+BvQX///8BAAAAAAAAAAAAAAAAAAAAAAAAAAAAAAAAAAAAAAAAAAAAAAACf39/AO7s4QPMzMwAwMD/AH9/fwAAAAAAAAAAAAAAAAD///8AAAAAACEAAAAYAAAAFAAAAAAAAABcFwAA4BUAAM0lAAAQAAAAJgAAAAgAAAD//////////w=="/>
               </a:ext>
             </a:extLst>
           </p:cNvPicPr>
@@ -13316,7 +13511,7 @@
             <a:picLocks noChangeAspect="1"/>
             <a:extLst>
               <a:ext uri="smNativeData">
-                <pr:smNativeData xmlns:pr="smNativeData" xmlns="smNativeData" val="SMDATA_17_JtjWYhMAAAAlAAAAEQAAAC0AAAAAkAAAAEgAAACQAAAASAAAAAAAAAAAAAAAAAAAAAEAAABQAAAAAAAAAAAA4D8AAAAAAADgPwAAAAAAAOA/AAAAAAAA4D8AAAAAAADgPwAAAAAAAOA/AAAAAAAA4D8AAAAAAADgPwAAAAAAAOA/AAAAAAAA4D8CAAAAjAAAAAAAAAAAAAAAT4G9DP///wgAAAAAAAAAAAAAAAAAAAAAAAAAAAAAAAAAAAAAZAAAAAEAAABAAAAAAAAAAAAAAAAAAAAAAAAAAAAAAAAAAAAAAAAAAAAAAAAAAAAAAAAAAAAAAAAAAAAAAAAAAAAAAAAAAAAAAAAAAAAAAAAAAAAAAAAAAAAAAAAAAAAAFAAAADwAAAAAAAAAAAAAAAAAAAkUAAAAAQAAABQAAAAUAAAAFAAAAAEAAAAAAAAAZAAAAGQAAAAAAAAAZAAAAGQAAAAVAAAAYAAAAAAAAAAAAAAADwAAACADAAAAAAAAAAAAAAEAAACgMgAAVgcAAKr4//8BAAAAf39/AAEAAABkAAAAAAAAABQAAABAHwAAAAAAACYAAAAAAAAAwOD//wAAAAAmAAAAZAAAABYAAABMAAAAAAAAAAAAAAAEAAAAAAAAAAEAAADu7OEKAAAAACgAAAAoAAAAZAAAAGQAAAAAAAAAzMzMAAAAAABQAAAAUAAAAGQAAABkAAAAAAAAAAcAAAA4AAAAAAAAAAAAAAAAAAAA////AAAAAAAAAAAAAAAAAAAAAAAAAAAAAAAAAAAAAABkAAAAZAAAAAAAAAAjAAAABAAAAGQAAAAXAAAAFAAAAAAAAAAAAAAA/38AAP9/AAAAAAAACQAAAAQAAAAAAAAAHgAAAGgAAAAAAAAAAAAAAAAAAAAAAAAAAAAAABAnAAAQJwAAAAAAAAAAAAAAAAAAAAAAAAAAAAAAAAAAAAAAAAAAAAAUAAAAAAAAAMDA/wAAAAAAZAAAADIAAAAAAAAAZAAAAAAAAAB/f38ACgAAACIAAAAYAAAAAAAAAAAAAAAAAAAAAAAAAAAAAAAAAAAAJAAAACQAAAAAAAAABwAAAAAAAAAAAAAAAAAAAAAAAAAAAAAAAAAAAH9/fwAlAAAAWAAAAAAAAAAAAAAAAAAAAAAAAAAAAAAAAAAAAAAAAAAAAAAAAAAAAAAAAAAAAAAAPwAAAAAAAACghgEAAAAAAAAAAAAAAAAADAAAAAEAAAAAAAAAAAAAAAAAAAAfAAAAVAAAAE+BvQX///8BAAAAAAAAAAAAAAAAAAAAAAAAAAAAAAAAAAAAAAAAAAAAAAACf39/AO7s4QPMzMwAwMD/AH9/fwAAAAAAAAAAAAAAAAD///8AAAAAACEAAAAYAAAAFAAAAGYXAADTCwAAQDgAAOUiAAAQAAAAJgAAAAgAAAD//////////w=="/>
+                <pr:smNativeData xmlns:pr="smNativeData" xmlns="smNativeData" val="SMDATA_17_iunWYhMAAAAlAAAAEQAAAC0AAAAAkAAAAEgAAACQAAAASAAAAAAAAAAAAAAAAAAAAAEAAABQAAAAAAAAAAAA4D8AAAAAAADgPwAAAAAAAOA/AAAAAAAA4D8AAAAAAADgPwAAAAAAAOA/AAAAAAAA4D8AAAAAAADgPwAAAAAAAOA/AAAAAAAA4D8CAAAAjAAAAAAAAAAAAAAAT4G9DP///wgAAAAAAAAAAAAAAAAAAAAAAAAAAAAAAAAAAAAAZAAAAAEAAABAAAAAAAAAAAAAAAAAAAAAAAAAAAAAAAAAAAAAAAAAAAAAAAAAAAAAAAAAAAAAAAAAAAAAAAAAAAAAAAAAAAAAAAAAAAAAAAAAAAAAAAAAAAAAAAAAAAAAFAAAADwAAAAAAAAAAAAAAAAAAAkUAAAAAQAAABQAAAAUAAAAFAAAAAEAAAAAAAAAZAAAAGQAAAAAAAAAZAAAAGQAAAAVAAAAYAAAAAAAAAAAAAAADwAAACADAAAAAAAAAAAAAAEAAACgMgAAVgcAAKr4//8BAAAAf39/AAEAAABkAAAAAAAAABQAAABAHwAAAAAAACYAAAAAAAAAwOD//wAAAAAmAAAAZAAAABYAAABMAAAAAAAAAAAAAAAEAAAAAAAAAAEAAADu7OEKAAAAACgAAAAoAAAAZAAAAGQAAAAAAAAAzMzMAAAAAABQAAAAUAAAAGQAAABkAAAAAAAAAAcAAAA4AAAAAAAAAAAAAAAAAAAA////AAAAAAAAAAAAAAAAAAAAAAAAAAAAAAAAAAAAAABkAAAAZAAAAAAAAAAjAAAABAAAAGQAAAAXAAAAFAAAAAAAAAAAAAAA/38AAP9/AAAAAAAACQAAAAQAAAAAAAAAHgAAAGgAAAAAAAAAAAAAAAAAAAAAAAAAAAAAABAnAAAQJwAAAAAAAAAAAAAAAAAAAAAAAAAAAAAAAAAAAAAAAAAAAAAUAAAAAAAAAMDA/wAAAAAAZAAAADIAAAAAAAAAZAAAAAAAAAB/f38ACgAAACIAAAAYAAAAAAAAAAAAAAAAAAAAAAAAAAAAAAAAAAAAJAAAACQAAAAAAAAABwAAAAAAAAAAAAAAAAAAAAAAAAAAAAAAAAAAAH9/fwAlAAAAWAAAAAAAAAAAAAAAAAAAAAAAAAAAAAAAAAAAAAAAAAAAAAAAAAAAAAAAAAAAAAAAPwAAAAAAAACghgEAAAAAAAAAAAAAAAAADAAAAAEAAAAAAAAAAAAAAAAAAAAfAAAAVAAAAE+BvQX///8BAAAAAAAAAAAAAAAAAAAAAAAAAAAAAAAAAAAAAAAAAAAAAAACf39/AO7s4QPMzMwAwMD/AH9/fwAAAAAAAAAAAAAAAAD///8AAAAAACEAAAAYAAAAFAAAAGYXAADTCwAAQDgAAOUiAAAQAAAAJgAAAAgAAAD//////////w=="/>
               </a:ext>
             </a:extLst>
           </p:cNvPicPr>
@@ -13358,106 +13553,6 @@
 </p:sld>
 </file>
 
-<file path=ppt/slides/slide36.xml><?xml version="1.0" encoding="utf-8"?>
-<p:sld xmlns:p="http://schemas.openxmlformats.org/presentationml/2006/main" xmlns:mc="http://schemas.openxmlformats.org/markup-compatibility/2006" xmlns:p14="http://schemas.microsoft.com/office/powerpoint/2010/main" xmlns:p15="http://schemas.microsoft.com/office/powerpoint/2012/main" xmlns:r="http://schemas.openxmlformats.org/officeDocument/2006/relationships" xmlns:a="http://schemas.openxmlformats.org/drawingml/2006/main" mc:Ignorable="p14" show="0">
-  <p:cSld>
-    <p:spTree>
-      <p:nvGrpSpPr>
-        <p:cNvPr id="1" name=""/>
-        <p:cNvGrpSpPr/>
-        <p:nvPr/>
-      </p:nvGrpSpPr>
-      <p:grpSpPr>
-        <a:xfrm>
-          <a:off x="0" y="0"/>
-          <a:ext cx="0" cy="0"/>
-          <a:chOff x="0" y="0"/>
-          <a:chExt cx="0" cy="0"/>
-        </a:xfrm>
-      </p:grpSpPr>
-      <p:sp>
-        <p:nvSpPr>
-          <p:cNvPr id="2" name="Titre 1"/>
-          <p:cNvSpPr>
-            <a:spLocks noGrp="1" noChangeArrowheads="1"/>
-            <a:extLst>
-              <a:ext uri="smNativeData">
-                <pr:smNativeData xmlns:pr="smNativeData" xmlns="smNativeData" val="SMDATA_15_JtjWYhMAAAAlAAAAZAAAAA0AAAAAkAAAAEgAAACQAAAASAAAAAAAAAABAAAAAAAAAAEAAABQAAAAAAAAAAAA4D8AAAAAAADgPwAAAAAAAOA/AAAAAAAA4D8AAAAAAADgPwAAAAAAAOA/AAAAAAAA4D8AAAAAAADgPwAAAAAAAOA/AAAAAAAA4D8CAAAAjAAAAAAAAAAAAAAAT4G9DP///wgAAAAAAAAAAAAAAAAAAAAAAAAAAAAAAAAAAAAAZAAAAAEAAABAAAAAAAAAAAAAAAAAAAAAAAAAAAAAAAAAAAAAAAAAAAAAAAAAAAAAAAAAAAAAAAAAAAAAAAAAAAAAAAAAAAAAAAAAAAAAAAAAAAAAAAAAAAAAAAAAAAAAFAAAADwAAAAAAAAAAAAAAAAAAAkUAAAAAQAAABQAAAAUAAAAFAAAAAEAAAAAAAAAZAAAAGQAAAAAAAAAZAAAAGQAAAAVAAAAYAAAAAAAAAAAAAAADwAAACADAAAAAAAAAAAAAAEAAACgMgAAVgcAAKr4//8BAAAAf39/AAEAAABkAAAAAAAAABQAAABAHwAAAAAAACYAAAAAAAAAwOD//wAAAAAmAAAAZAAAABYAAABMAAAAAAAAAAAAAAAEAAAAAAAAAAEAAADu7OEKAAAAACgAAAAoAAAAZAAAAGQAAAAAAAAAzMzMAAAAAABQAAAAUAAAAGQAAABkAAAAAAAAABcAAAAUAAAAAAAAAAAAAAD/fwAA/38AAAAAAAAJAAAABAAAAAAAAAAeAAAAaAAAAAAAAAAAAAAAAAAAAAAAAAAAAAAAECcAABAnAAAAAAAAAAAAAAAAAAAAAAAAAAAAAAAAAAAAAAAAAAAAABQAAAAAAAAAwMD/AAAAAABkAAAAMgAAAAAAAABkAAAAAAAAAH9/fwAKAAAAIgAAABgAAAAAAAAAAAAAAAAAAAAAAAAAAAAAAAAAAAAkAAAAJAAAAAAAAAAHAAAAAAAAAAAAAAAAAAAAAAAAAAAAAAAAAAAAf39/ACUAAABYAAAAAAAAAAAAAAAAAAAAAAAAAAAAAAAAAAAAAAAAAAAAAAAAAAAAAAAAAAAAAAA/AAAAAAAAAKCGAQAAAAAAAAAAAAAAAAAMAAAAAQAAAAAAAAAAAAAAAAAAAB8AAABUAAAAT4G9Bf///wEAAAAAAAAAAAAAAAAAAAAAAAAAAAAAAAAAAAAAAAAAAAAAAAJ/f38A7uzhA8zMzADAwP8Af39/AAAAAAAAAAAAAAAAAAAAAAAAAAAAIQAAABgAAAAUAAAA0AIAALEBAABwNQAAuQgAABAAAAAmAAAACAAAAAAAAAAAAAAA"/>
-              </a:ext>
-            </a:extLst>
-          </p:cNvSpPr>
-          <p:nvPr>
-            <p:ph type="title"/>
-          </p:nvPr>
-        </p:nvSpPr>
-        <p:spPr/>
-        <p:txBody>
-          <a:bodyPr/>
-          <a:lstStyle/>
-          <a:p>
-            <a:pPr>
-              <a:defRPr lang="fr-fr"/>
-            </a:pPr>
-            <a:r>
-              <a:t>Changing the moves</a:t>
-            </a:r>
-          </a:p>
-        </p:txBody>
-      </p:sp>
-      <p:sp>
-        <p:nvSpPr>
-          <p:cNvPr id="3" name="Espace réservé du contenu 2"/>
-          <p:cNvSpPr>
-            <a:spLocks noGrp="1" noChangeArrowheads="1"/>
-            <a:extLst>
-              <a:ext uri="smNativeData">
-                <pr:smNativeData xmlns:pr="smNativeData" xmlns="smNativeData" val="SMDATA_15_JtjWYhMAAAAlAAAAZAAAAA0AAAAAkAAAAEgAAACQAAAASAAAAAAAAAAAAAAAAAAAAAEAAABQAAAAAAAAAAAA4D8AAAAAAADgPwAAAAAAAOA/AAAAAAAA4D8AAAAAAADgPwAAAAAAAOA/AAAAAAAA4D8AAAAAAADgPwAAAAAAAOA/AAAAAAAA4D8CAAAAjAAAAAAAAAAAAAAAT4G9DP///wgAAAAAAAAAAAAAAAAAAAAAAAAAAAAAAAAAAAAAZAAAAAEAAABAAAAAAAAAAAAAAAAAAAAAAAAAAAAAAAAAAAAAAAAAAAAAAAAAAAAAAAAAAAAAAAAAAAAAAAAAAAAAAAAAAAAAAAAAAAAAAAAAAAAAAAAAAAAAAAAAAAAAFAAAADwAAAAAAAAAAAAAAAAAAAkUAAAAAQAAABQAAAAUAAAAFAAAAAEAAAAAAAAAZAAAAGQAAAAAAAAAZAAAAGQAAAAVAAAAYAAAAAAAAAAAAAAADwAAACADAAAAAAAAAAAAAAEAAACgMgAAVgcAAKr4//8BAAAAf39/AAEAAABkAAAAAAAAABQAAABAHwAAAAAAACYAAAAAAAAAwOD//wAAAAAmAAAAZAAAABYAAABMAAAAAAAAAAAAAAAEAAAAAAAAAAEAAADu7OEKAAAAACgAAAAoAAAAZAAAAGQAAAAAAAAAzMzMAAAAAABQAAAAUAAAAGQAAABkAAAAAAAAABcAAAAUAAAAAAAAAAAAAAD/fwAA/38AAAAAAAAJAAAABAAAAAAHnaAeAAAAaAAAAAAAAAAAAAAAAAAAAAAAAAAAAAAAECcAABAnAAAAAAAAAAAAAAAAAAAAAAAAAAAAAAAAAAAAAAAAAAAAABQAAAAAAAAAwMD/AAAAAABkAAAAMgAAAAAAAABkAAAAAAAAAH9/fwAKAAAAIgAAABgAAAAAAAAAAAAAAAAAAAAAAAAAAAAAAAAAAAAkAAAAJAAAAAAAAAAHAAAAAAAAAAAAAAAAAAAAAAAAAAAAAAAAAAAAf39/ACUAAABYAAAAAAAAAAAAAAAAAAAAAAAAAAAAAAAAAAAAAAAAAAAAAAAAAAAAAAAAAAAAAAA/AAAAAAAAAKCGAQAAAAAAAAAAAAAAAAAMAAAAAQAAAAAAAAAAAAAAAAAAAB8AAABUAAAAT4G9Bf///wEAAAAAAAAAAAAAAAAAAAAAAAAAAAAAAAAAAAAAAAAAAAAAAAJ/f38A7uzhA8zMzADAwP8Af39/AAAAAAAAAAAAAAAAAAAAAAAAAAAAIQAAABgAAAAUAAAA0AIAANgJAABwNQAAsCUAABAAAAAmAAAACAAAAAAAAAAAAAAA"/>
-              </a:ext>
-            </a:extLst>
-          </p:cNvSpPr>
-          <p:nvPr>
-            <p:ph type="body" idx="1"/>
-          </p:nvPr>
-        </p:nvSpPr>
-        <p:spPr/>
-        <p:txBody>
-          <a:bodyPr/>
-          <a:lstStyle/>
-          <a:p>
-            <a:pPr>
-              <a:buNone/>
-              <a:defRPr lang="fr-fr"/>
-            </a:pPr>
-            <a:r>
-              <a:t>moves[moveIndex++] = mvSlice(A)</a:t>
-            </a:r>
-          </a:p>
-          <a:p>
-            <a:pPr>
-              <a:buNone/>
-              <a:defRPr lang="fr-fr"/>
-            </a:pPr>
-            <a:r>
-              <a:t>moves[moveIndex++] = mvSlice(lalpha)</a:t>
-            </a:r>
-          </a:p>
-        </p:txBody>
-      </p:sp>
-    </p:spTree>
-  </p:cSld>
-  <p:clrMapOvr>
-    <a:masterClrMapping/>
-  </p:clrMapOvr>
-  <p:timing>
-    <p:tnLst>
-      <p:par>
-        <p:cTn id="1" dur="indefinite" restart="never" nodeType="tmRoot"/>
-      </p:par>
-    </p:tnLst>
-  </p:timing>
-</p:sld>
-</file>
-
 <file path=ppt/slides/slide37.xml><?xml version="1.0" encoding="utf-8"?>
 <p:sld xmlns:p="http://schemas.openxmlformats.org/presentationml/2006/main" xmlns:mc="http://schemas.openxmlformats.org/markup-compatibility/2006" xmlns:p14="http://schemas.microsoft.com/office/powerpoint/2010/main" xmlns:p15="http://schemas.microsoft.com/office/powerpoint/2012/main" xmlns:r="http://schemas.openxmlformats.org/officeDocument/2006/relationships" xmlns:a="http://schemas.openxmlformats.org/drawingml/2006/main" mc:Ignorable="p14" show="0">
   <p:cSld>
@@ -13482,7 +13577,107 @@
             <a:spLocks noGrp="1" noChangeArrowheads="1"/>
             <a:extLst>
               <a:ext uri="smNativeData">
-                <pr:smNativeData xmlns:pr="smNativeData" xmlns="smNativeData" val="SMDATA_15_JtjWYhMAAAAlAAAAZAAAAA0AAAAAkAAAAEgAAACQAAAASAAAAAAAAAABAAAAAAAAAAEAAABQAAAAAAAAAAAA4D8AAAAAAADgPwAAAAAAAOA/AAAAAAAA4D8AAAAAAADgPwAAAAAAAOA/AAAAAAAA4D8AAAAAAADgPwAAAAAAAOA/AAAAAAAA4D8CAAAAjAAAAAAAAAAAAAAAT4G9DP///wgAAAAAAAAAAAAAAAAAAAAAAAAAAAAAAAAAAAAAZAAAAAEAAABAAAAAAAAAAAAAAAAAAAAAAAAAAAAAAAAAAAAAAAAAAAAAAAAAAAAAAAAAAAAAAAAAAAAAAAAAAAAAAAAAAAAAAAAAAAAAAAAAAAAAAAAAAAAAAAAAAAAAFAAAADwAAAAAAAAAAAAAAAAAAAkUAAAAAQAAABQAAAAUAAAAFAAAAAEAAAAAAAAAZAAAAGQAAAAAAAAAZAAAAGQAAAAVAAAAYAAAAAAAAAAAAAAADwAAACADAAAAAAAAAAAAAAEAAACgMgAAVgcAAKr4//8BAAAAf39/AAEAAABkAAAAAAAAABQAAABAHwAAAAAAACYAAAAAAAAAwOD//wAAAAAmAAAAZAAAABYAAABMAAAAAAAAAAAAAAAEAAAAAAAAAAEAAADu7OEKAAAAACgAAAAoAAAAZAAAAGQAAAAAAAAAzMzMAAAAAABQAAAAUAAAAGQAAABkAAAAAAAAABcAAAAUAAAAAAAAAAAAAAD/fwAA/38AAAAAAAAJAAAABAAAAAAAAAAeAAAAaAAAAAAAAAAAAAAAAAAAAAAAAAAAAAAAECcAABAnAAAAAAAAAAAAAAAAAAAAAAAAAAAAAAAAAAAAAAAAAAAAABQAAAAAAAAAwMD/AAAAAABkAAAAMgAAAAAAAABkAAAAAAAAAH9/fwAKAAAAIgAAABgAAAAAAAAAAAAAAAAAAAAAAAAAAAAAAAAAAAAkAAAAJAAAAAAAAAAHAAAAAAAAAAAAAAAAAAAAAAAAAAAAAAAAAAAAf39/ACUAAABYAAAAAAAAAAAAAAAAAAAAAAAAAAAAAAAAAAAAAAAAAAAAAAAAAAAAAAAAAAAAAAA/AAAAAAAAAKCGAQAAAAAAAAAAAAAAAAAMAAAAAQAAAAAAAAAAAAAAAAAAAB8AAABUAAAAT4G9Bf///wEAAAAAAAAAAAAAAAAAAAAAAAAAAAAAAAAAAAAAAAAAAAAAAAJ/f38A7uzhA8zMzADAwP8Af39/AAAAAAAAAAAAAAAAAAAAAAAAAAAAIQAAABgAAAAUAAAA0AIAAAAAAABwNQAACAcAABAAAAAmAAAACAAAAAEgAAAAAAAA"/>
+                <pr:smNativeData xmlns:pr="smNativeData" xmlns="smNativeData" val="SMDATA_15_iunWYhMAAAAlAAAAZAAAAA0AAAAAkAAAAEgAAACQAAAASAAAAAAAAAABAAAAAAAAAAEAAABQAAAAAAAAAAAA4D8AAAAAAADgPwAAAAAAAOA/AAAAAAAA4D8AAAAAAADgPwAAAAAAAOA/AAAAAAAA4D8AAAAAAADgPwAAAAAAAOA/AAAAAAAA4D8CAAAAjAAAAAAAAAAAAAAAT4G9DP///wgAAAAAAAAAAAAAAAAAAAAAAAAAAAAAAAAAAAAAZAAAAAEAAABAAAAAAAAAAAAAAAAAAAAAAAAAAAAAAAAAAAAAAAAAAAAAAAAAAAAAAAAAAAAAAAAAAAAAAAAAAAAAAAAAAAAAAAAAAAAAAAAAAAAAAAAAAAAAAAAAAAAAFAAAADwAAAAAAAAAAAAAAAAAAAkUAAAAAQAAABQAAAAUAAAAFAAAAAEAAAAAAAAAZAAAAGQAAAAAAAAAZAAAAGQAAAAVAAAAYAAAAAAAAAAAAAAADwAAACADAAAAAAAAAAAAAAEAAACgMgAAVgcAAKr4//8BAAAAf39/AAEAAABkAAAAAAAAABQAAABAHwAAAAAAACYAAAAAAAAAwOD//wAAAAAmAAAAZAAAABYAAABMAAAAAAAAAAAAAAAEAAAAAAAAAAEAAADu7OEKAAAAACgAAAAoAAAAZAAAAGQAAAAAAAAAzMzMAAAAAABQAAAAUAAAAGQAAABkAAAAAAAAABcAAAAUAAAAAAAAAAAAAAD/fwAA/38AAAAAAAAJAAAABAAAAAAAAAAeAAAAaAAAAAAAAAAAAAAAAAAAAAAAAAAAAAAAECcAABAnAAAAAAAAAAAAAAAAAAAAAAAAAAAAAAAAAAAAAAAAAAAAABQAAAAAAAAAwMD/AAAAAABkAAAAMgAAAAAAAABkAAAAAAAAAH9/fwAKAAAAIgAAABgAAAAAAAAAAAAAAAAAAAAAAAAAAAAAAAAAAAAkAAAAJAAAAAAAAAAHAAAAAAAAAAAAAAAAAAAAAAAAAAAAAAAAAAAAf39/ACUAAABYAAAAAAAAAAAAAAAAAAAAAAAAAAAAAAAAAAAAAAAAAAAAAAAAAAAAAAAAAAAAAAA/AAAAAAAAAKCGAQAAAAAAAAAAAAAAAAAMAAAAAQAAAAAAAAAAAAAAAAAAAB8AAABUAAAAT4G9Bf///wEAAAAAAAAAAAAAAAAAAAAAAAAAAAAAAAAAAAAAAAAAAAAAAAJ/f38A7uzhA8zMzADAwP8Af39/AAAAAAAAAAAAAAAAAAAAAAAAAAAAIQAAABgAAAAUAAAA0AIAALEBAABwNQAAuQgAABAAAAAmAAAACAAAAAAAAAAAAAAA"/>
+              </a:ext>
+            </a:extLst>
+          </p:cNvSpPr>
+          <p:nvPr>
+            <p:ph type="title"/>
+          </p:nvPr>
+        </p:nvSpPr>
+        <p:spPr/>
+        <p:txBody>
+          <a:bodyPr/>
+          <a:lstStyle/>
+          <a:p>
+            <a:pPr>
+              <a:defRPr lang="fr-fr"/>
+            </a:pPr>
+            <a:r>
+              <a:t>Changing the moves</a:t>
+            </a:r>
+          </a:p>
+        </p:txBody>
+      </p:sp>
+      <p:sp>
+        <p:nvSpPr>
+          <p:cNvPr id="3" name="Espace réservé du contenu 2"/>
+          <p:cNvSpPr>
+            <a:spLocks noGrp="1" noChangeArrowheads="1"/>
+            <a:extLst>
+              <a:ext uri="smNativeData">
+                <pr:smNativeData xmlns:pr="smNativeData" xmlns="smNativeData" val="SMDATA_15_iunWYhMAAAAlAAAAZAAAAA0AAAAAkAAAAEgAAACQAAAASAAAAAAAAAAAAAAAAAAAAAEAAABQAAAAAAAAAAAA4D8AAAAAAADgPwAAAAAAAOA/AAAAAAAA4D8AAAAAAADgPwAAAAAAAOA/AAAAAAAA4D8AAAAAAADgPwAAAAAAAOA/AAAAAAAA4D8CAAAAjAAAAAAAAAAAAAAAT4G9DP///wgAAAAAAAAAAAAAAAAAAAAAAAAAAAAAAAAAAAAAZAAAAAEAAABAAAAAAAAAAAAAAAAAAAAAAAAAAAAAAAAAAAAAAAAAAAAAAAAAAAAAAAAAAAAAAAAAAAAAAAAAAAAAAAAAAAAAAAAAAAAAAAAAAAAAAAAAAAAAAAAAAAAAFAAAADwAAAAAAAAAAAAAAAAAAAkUAAAAAQAAABQAAAAUAAAAFAAAAAEAAAAAAAAAZAAAAGQAAAAAAAAAZAAAAGQAAAAVAAAAYAAAAAAAAAAAAAAADwAAACADAAAAAAAAAAAAAAEAAACgMgAAVgcAAKr4//8BAAAAf39/AAEAAABkAAAAAAAAABQAAABAHwAAAAAAACYAAAAAAAAAwOD//wAAAAAmAAAAZAAAABYAAABMAAAAAAAAAAAAAAAEAAAAAAAAAAEAAADu7OEKAAAAACgAAAAoAAAAZAAAAGQAAAAAAAAAzMzMAAAAAABQAAAAUAAAAGQAAABkAAAAAAAAABcAAAAUAAAAAAAAAAAAAAD/fwAA/38AAAAAAAAJAAAABAAAAAAHnaAeAAAAaAAAAAAAAAAAAAAAAAAAAAAAAAAAAAAAECcAABAnAAAAAAAAAAAAAAAAAAAAAAAAAAAAAAAAAAAAAAAAAAAAABQAAAAAAAAAwMD/AAAAAABkAAAAMgAAAAAAAABkAAAAAAAAAH9/fwAKAAAAIgAAABgAAAAAAAAAAAAAAAAAAAAAAAAAAAAAAAAAAAAkAAAAJAAAAAAAAAAHAAAAAAAAAAAAAAAAAAAAAAAAAAAAAAAAAAAAf39/ACUAAABYAAAAAAAAAAAAAAAAAAAAAAAAAAAAAAAAAAAAAAAAAAAAAAAAAAAAAAAAAAAAAAA/AAAAAAAAAKCGAQAAAAAAAAAAAAAAAAAMAAAAAQAAAAAAAAAAAAAAAAAAAB8AAABUAAAAT4G9Bf///wEAAAAAAAAAAAAAAAAAAAAAAAAAAAAAAAAAAAAAAAAAAAAAAAJ/f38A7uzhA8zMzADAwP8Af39/AAAAAAAAAAAAAAAAAAAAAAAAAAAAIQAAABgAAAAUAAAA0AIAANgJAABwNQAAsCUAABAAAAAmAAAACAAAAAAAAAAAAAAA"/>
+              </a:ext>
+            </a:extLst>
+          </p:cNvSpPr>
+          <p:nvPr>
+            <p:ph type="body" idx="1"/>
+          </p:nvPr>
+        </p:nvSpPr>
+        <p:spPr/>
+        <p:txBody>
+          <a:bodyPr/>
+          <a:lstStyle/>
+          <a:p>
+            <a:pPr>
+              <a:buNone/>
+              <a:defRPr lang="fr-fr"/>
+            </a:pPr>
+            <a:r>
+              <a:t>moves[moveIndex++] = mvSlice(A)</a:t>
+            </a:r>
+          </a:p>
+          <a:p>
+            <a:pPr>
+              <a:buNone/>
+              <a:defRPr lang="fr-fr"/>
+            </a:pPr>
+            <a:r>
+              <a:t>moves[moveIndex++] = mvSlice(lalpha)</a:t>
+            </a:r>
+          </a:p>
+        </p:txBody>
+      </p:sp>
+    </p:spTree>
+  </p:cSld>
+  <p:clrMapOvr>
+    <a:masterClrMapping/>
+  </p:clrMapOvr>
+  <p:timing>
+    <p:tnLst>
+      <p:par>
+        <p:cTn id="1" dur="indefinite" restart="never" nodeType="tmRoot"/>
+      </p:par>
+    </p:tnLst>
+  </p:timing>
+</p:sld>
+</file>
+
+<file path=ppt/slides/slide38.xml><?xml version="1.0" encoding="utf-8"?>
+<p:sld xmlns:p="http://schemas.openxmlformats.org/presentationml/2006/main" xmlns:mc="http://schemas.openxmlformats.org/markup-compatibility/2006" xmlns:p14="http://schemas.microsoft.com/office/powerpoint/2010/main" xmlns:p15="http://schemas.microsoft.com/office/powerpoint/2012/main" xmlns:r="http://schemas.openxmlformats.org/officeDocument/2006/relationships" xmlns:a="http://schemas.openxmlformats.org/drawingml/2006/main" mc:Ignorable="p14" show="0">
+  <p:cSld>
+    <p:spTree>
+      <p:nvGrpSpPr>
+        <p:cNvPr id="1" name=""/>
+        <p:cNvGrpSpPr/>
+        <p:nvPr/>
+      </p:nvGrpSpPr>
+      <p:grpSpPr>
+        <a:xfrm>
+          <a:off x="0" y="0"/>
+          <a:ext cx="0" cy="0"/>
+          <a:chOff x="0" y="0"/>
+          <a:chExt cx="0" cy="0"/>
+        </a:xfrm>
+      </p:grpSpPr>
+      <p:sp>
+        <p:nvSpPr>
+          <p:cNvPr id="2" name="Titre 1"/>
+          <p:cNvSpPr>
+            <a:spLocks noGrp="1" noChangeArrowheads="1"/>
+            <a:extLst>
+              <a:ext uri="smNativeData">
+                <pr:smNativeData xmlns:pr="smNativeData" xmlns="smNativeData" val="SMDATA_15_iunWYhMAAAAlAAAAZAAAAA0AAAAAkAAAAEgAAACQAAAASAAAAAAAAAABAAAAAAAAAAEAAABQAAAAAAAAAAAA4D8AAAAAAADgPwAAAAAAAOA/AAAAAAAA4D8AAAAAAADgPwAAAAAAAOA/AAAAAAAA4D8AAAAAAADgPwAAAAAAAOA/AAAAAAAA4D8CAAAAjAAAAAAAAAAAAAAAT4G9DP///wgAAAAAAAAAAAAAAAAAAAAAAAAAAAAAAAAAAAAAZAAAAAEAAABAAAAAAAAAAAAAAAAAAAAAAAAAAAAAAAAAAAAAAAAAAAAAAAAAAAAAAAAAAAAAAAAAAAAAAAAAAAAAAAAAAAAAAAAAAAAAAAAAAAAAAAAAAAAAAAAAAAAAFAAAADwAAAAAAAAAAAAAAAAAAAkUAAAAAQAAABQAAAAUAAAAFAAAAAEAAAAAAAAAZAAAAGQAAAAAAAAAZAAAAGQAAAAVAAAAYAAAAAAAAAAAAAAADwAAACADAAAAAAAAAAAAAAEAAACgMgAAVgcAAKr4//8BAAAAf39/AAEAAABkAAAAAAAAABQAAABAHwAAAAAAACYAAAAAAAAAwOD//wAAAAAmAAAAZAAAABYAAABMAAAAAAAAAAAAAAAEAAAAAAAAAAEAAADu7OEKAAAAACgAAAAoAAAAZAAAAGQAAAAAAAAAzMzMAAAAAABQAAAAUAAAAGQAAABkAAAAAAAAABcAAAAUAAAAAAAAAAAAAAD/fwAA/38AAAAAAAAJAAAABAAAAAAAAAAeAAAAaAAAAAAAAAAAAAAAAAAAAAAAAAAAAAAAECcAABAnAAAAAAAAAAAAAAAAAAAAAAAAAAAAAAAAAAAAAAAAAAAAABQAAAAAAAAAwMD/AAAAAABkAAAAMgAAAAAAAABkAAAAAAAAAH9/fwAKAAAAIgAAABgAAAAAAAAAAAAAAAAAAAAAAAAAAAAAAAAAAAAkAAAAJAAAAAAAAAAHAAAAAAAAAAAAAAAAAAAAAAAAAAAAAAAAAAAAf39/ACUAAABYAAAAAAAAAAAAAAAAAAAAAAAAAAAAAAAAAAAAAAAAAAAAAAAAAAAAAAAAAAAAAAA/AAAAAAAAAKCGAQAAAAAAAAAAAAAAAAAMAAAAAQAAAAAAAAAAAAAAAAAAAB8AAABUAAAAT4G9Bf///wEAAAAAAAAAAAAAAAAAAAAAAAAAAAAAAAAAAAAAAAAAAAAAAAJ/f38A7uzhA8zMzADAwP8Af39/AAAAAAAAAAAAAAAAAAAAAAAAAAAAIQAAABgAAAAUAAAA0AIAAAAAAABwNQAACAcAABAAAAAmAAAACAAAAAEgAAAAAAAA"/>
               </a:ext>
             </a:extLst>
           </p:cNvSpPr>
@@ -13520,7 +13715,7 @@
             <a:picLocks noChangeAspect="1"/>
             <a:extLst>
               <a:ext uri="smNativeData">
-                <pr:smNativeData xmlns:pr="smNativeData" xmlns="smNativeData" val="SMDATA_17_JtjWYhMAAAAlAAAAEQAAAC0AAAAAkAAAAEgAAACQAAAASAAAAAAAAAAAAAAAAAAAAAEAAABQAAAAAAAAAAAA4D8AAAAAAADgPwAAAAAAAOA/AAAAAAAA4D8AAAAAAADgPwAAAAAAAOA/AAAAAAAA4D8AAAAAAADgPwAAAAAAAOA/AAAAAAAA4D8CAAAAjAAAAAAAAAAAAAAAT4G9DP///wgAAAAAAAAAAAAAAAAAAAAAAAAAAAAAAAAAAAAAZAAAAAEAAABAAAAAAAAAAAAAAAAAAAAAAAAAAAAAAAAAAAAAAAAAAAAAAAAAAAAAAAAAAAAAAAAAAAAAAAAAAAAAAAAAAAAAAAAAAAAAAAAAAAAAAAAAAAAAAAAAAAAAFAAAADwAAAAAAAAAAAAAAAAAAAkUAAAAAQAAABQAAAAUAAAAFAAAAAEAAAAAAAAAZAAAAGQAAAAAAAAAZAAAAGQAAAAVAAAAYAAAAAAAAAAAAAAADwAAACADAAAAAAAAAAAAAAEAAACgMgAAVgcAAKr4//8BAAAAf39/AAEAAABkAAAAAAAAABQAAABAHwAAAAAAACYAAAAAAAAAwOD//wAAAAAmAAAAZAAAABYAAABMAAAAAAAAAAAAAAAEAAAAAAAAAAEAAADu7OEKAAAAACgAAAAoAAAAZAAAAGQAAAAAAAAAzMzMAAAAAABQAAAAUAAAAGQAAABkAAAAAAAAAAcAAAA4AAAAAAAAAAAAAAAAAAAA////AAAAAAAAAAAAAAAAAAAAAAAAAAAAAAAAAAAAAABkAAAAZAAAAAAAAAAjAAAABAAAAGQAAAAXAAAAFAAAAAAAAAAAAAAA/38AAP9/AAAAAAAACQAAAAQAAAAAAAAAHgAAAGgAAAAAAAAAAAAAAAAAAAAAAAAAAAAAABAnAAAQJwAAAAAAAAAAAAAAAAAAAAAAAAAAAAAAAAAAAAAAAAAAAAAUAAAAAAAAAMDA/wAAAAAAZAAAADIAAAAAAAAAZAAAAAAAAAB/f38ACgAAACIAAAAYAAAAAAAAAAAAAAAAAAAAAAAAAAAAAAAAAAAAJAAAACQAAAAAAAAABwAAAAAAAAAAAAAAAAAAAAAAAAAAAAAAAAAAAH9/fwAlAAAAWAAAAAAAAAAAAAAAAAAAAAAAAAAAAAAAAAAAAAAAAAAAAAAAAAAAAAAAAAAAAAAAPwAAAAAAAACghgEAAAAAAAAAAAAAAAAADAAAAAEAAAAAAAAAAAAAAAAAAAAfAAAAVAAAAE+BvQX///8BAAAAAAAAAAAAAAAAAAAAAAAAAAAAAAAAAAAAAAAAAAAAAAACf39/AO7s4QPMzMwAwMD/AH9/fwAAAAAAAAAAAAAAAAD///8AAAAAACEAAAAYAAAAFAAAAAAAAACECAAAfhgAAMUnAAAQAAAAJgAAAAgAAAD//////////w=="/>
+                <pr:smNativeData xmlns:pr="smNativeData" xmlns="smNativeData" val="SMDATA_17_iunWYhMAAAAlAAAAEQAAAC0AAAAAkAAAAEgAAACQAAAASAAAAAAAAAAAAAAAAAAAAAEAAABQAAAAAAAAAAAA4D8AAAAAAADgPwAAAAAAAOA/AAAAAAAA4D8AAAAAAADgPwAAAAAAAOA/AAAAAAAA4D8AAAAAAADgPwAAAAAAAOA/AAAAAAAA4D8CAAAAjAAAAAAAAAAAAAAAT4G9DP///wgAAAAAAAAAAAAAAAAAAAAAAAAAAAAAAAAAAAAAZAAAAAEAAABAAAAAAAAAAAAAAAAAAAAAAAAAAAAAAAAAAAAAAAAAAAAAAAAAAAAAAAAAAAAAAAAAAAAAAAAAAAAAAAAAAAAAAAAAAAAAAAAAAAAAAAAAAAAAAAAAAAAAFAAAADwAAAAAAAAAAAAAAAAAAAkUAAAAAQAAABQAAAAUAAAAFAAAAAEAAAAAAAAAZAAAAGQAAAAAAAAAZAAAAGQAAAAVAAAAYAAAAAAAAAAAAAAADwAAACADAAAAAAAAAAAAAAEAAACgMgAAVgcAAKr4//8BAAAAf39/AAEAAABkAAAAAAAAABQAAABAHwAAAAAAACYAAAAAAAAAwOD//wAAAAAmAAAAZAAAABYAAABMAAAAAAAAAAAAAAAEAAAAAAAAAAEAAADu7OEKAAAAACgAAAAoAAAAZAAAAGQAAAAAAAAAzMzMAAAAAABQAAAAUAAAAGQAAABkAAAAAAAAAAcAAAA4AAAAAAAAAAAAAAAAAAAA////AAAAAAAAAAAAAAAAAAAAAAAAAAAAAAAAAAAAAABkAAAAZAAAAAAAAAAjAAAABAAAAGQAAAAXAAAAFAAAAAAAAAAAAAAA/38AAP9/AAAAAAAACQAAAAQAAAAAAAAAHgAAAGgAAAAAAAAAAAAAAAAAAAAAAAAAAAAAABAnAAAQJwAAAAAAAAAAAAAAAAAAAAAAAAAAAAAAAAAAAAAAAAAAAAAUAAAAAAAAAMDA/wAAAAAAZAAAADIAAAAAAAAAZAAAAAAAAAB/f38ACgAAACIAAAAYAAAAAAAAAAAAAAAAAAAAAAAAAAAAAAAAAAAAJAAAACQAAAAAAAAABwAAAAAAAAAAAAAAAAAAAAAAAAAAAAAAAAAAAH9/fwAlAAAAWAAAAAAAAAAAAAAAAAAAAAAAAAAAAAAAAAAAAAAAAAAAAAAAAAAAAAAAAAAAAAAAPwAAAAAAAACghgEAAAAAAAAAAAAAAAAADAAAAAEAAAAAAAAAAAAAAAAAAAAfAAAAVAAAAE+BvQX///8BAAAAAAAAAAAAAAAAAAAAAAAAAAAAAAAAAAAAAAAAAAAAAAACf39/AO7s4QPMzMwAwMD/AH9/fwAAAAAAAAAAAAAAAAD///8AAAAAACEAAAAYAAAAFAAAAAAAAACECAAAfhgAAMUnAAAQAAAAJgAAAAgAAAD//////////w=="/>
               </a:ext>
             </a:extLst>
           </p:cNvPicPr>
@@ -13554,7 +13749,7 @@
             <a:picLocks noChangeAspect="1"/>
             <a:extLst>
               <a:ext uri="smNativeData">
-                <pr:smNativeData xmlns:pr="smNativeData" xmlns="smNativeData" val="SMDATA_17_JtjWYhMAAAAlAAAAEQAAAC0AAAAAkAAAAEgAAACQAAAASAAAAAAAAAAAAAAAAAAAAAEAAABQAAAAAAAAAAAA4D8AAAAAAADgPwAAAAAAAOA/AAAAAAAA4D8AAAAAAADgPwAAAAAAAOA/AAAAAAAA4D8AAAAAAADgPwAAAAAAAOA/AAAAAAAA4D8CAAAAjAAAAAAAAAAAAAAAT4G9DP///wgAAAAAAAAAAAAAAAAAAAAAAAAAAAAAAAAAAAAAZAAAAAEAAABAAAAAAAAAAAAAAAAAAAAAAAAAAAAAAAAAAAAAAAAAAAAAAAAAAAAAAAAAAAAAAAAAAAAAAAAAAAAAAAAAAAAAAAAAAAAAAAAAAAAAAAAAAAAAAAAAAAAAFAAAADwAAAAAAAAAAAAAAAAAAAkUAAAAAQAAABQAAAAUAAAAFAAAAAEAAAAAAAAAZAAAAGQAAAAAAAAAZAAAAGQAAAAVAAAAYAAAAAAAAAAAAAAADwAAACADAAAAAAAAAAAAAAEAAACgMgAAVgcAAKr4//8BAAAAf39/AAEAAABkAAAAAAAAABQAAABAHwAAAAAAACYAAAAAAAAAwOD//wAAAAAmAAAAZAAAABYAAABMAAAAAAAAAAAAAAAEAAAAAAAAAAEAAADu7OEKAAAAACgAAAAoAAAAZAAAAGQAAAAAAAAAzMzMAAAAAABQAAAAUAAAAGQAAABkAAAAAAAAAAcAAAA4AAAAAAAAAAAAAAAAAAAA////AAAAAAAAAAAAAAAAAAAAAAAAAAAAAAAAAAAAAABkAAAAZAAAAAAAAAAjAAAABAAAAGQAAAAXAAAAFAAAAAAAAAAAAAAA/38AAP9/AAAAAAAACQAAAAQAAAAAAAAAHgAAAGgAAAAAAAAAAAAAAAAAAAAAAAAAAAAAABAnAAAQJwAAAAAAAAAAAAAAAAAAAAAAAAAAAAAAAAAAAAAAAAAAAAAUAAAAAAAAAMDA/wAAAAAAZAAAADIAAAAAAAAAZAAAAAAAAAB/f38ACgAAACIAAAAYAAAAAAAAAAAAAAAAAAAAAAAAAAAAAAAAAAAAJAAAACQAAAAAAAAABwAAAAAAAAAAAAAAAAAAAAAAAAAAAAAAAAAAAH9/fwAlAAAAWAAAAAAAAAAAAAAAAAAAAAAAAAAAAAAAAAAAAAAAAAAAAAAAAAAAAAAAAAAAAAAAPwAAAAAAAACghgEAAAAAAAAAAAAAAAAADAAAAAEAAAAAAAAAAAAAAAAAAAAfAAAAVAAAAE+BvQX///8BAAAAAAAAAAAAAAAAAAAAAAAAAAAAAAAAAAAAAAAAAAAAAAACf39/AO7s4QPMzMwAwMD/AH9/fwAAAAAAAAAAAAAAAAD///8AAAAAACEAAAAYAAAAFAAAAFYYAACaDAAAUjgAABQjAAAQAAAAJgAAAAgAAAD//////////w=="/>
+                <pr:smNativeData xmlns:pr="smNativeData" xmlns="smNativeData" val="SMDATA_17_iunWYhMAAAAlAAAAEQAAAC0AAAAAkAAAAEgAAACQAAAASAAAAAAAAAAAAAAAAAAAAAEAAABQAAAAAAAAAAAA4D8AAAAAAADgPwAAAAAAAOA/AAAAAAAA4D8AAAAAAADgPwAAAAAAAOA/AAAAAAAA4D8AAAAAAADgPwAAAAAAAOA/AAAAAAAA4D8CAAAAjAAAAAAAAAAAAAAAT4G9DP///wgAAAAAAAAAAAAAAAAAAAAAAAAAAAAAAAAAAAAAZAAAAAEAAABAAAAAAAAAAAAAAAAAAAAAAAAAAAAAAAAAAAAAAAAAAAAAAAAAAAAAAAAAAAAAAAAAAAAAAAAAAAAAAAAAAAAAAAAAAAAAAAAAAAAAAAAAAAAAAAAAAAAAFAAAADwAAAAAAAAAAAAAAAAAAAkUAAAAAQAAABQAAAAUAAAAFAAAAAEAAAAAAAAAZAAAAGQAAAAAAAAAZAAAAGQAAAAVAAAAYAAAAAAAAAAAAAAADwAAACADAAAAAAAAAAAAAAEAAACgMgAAVgcAAKr4//8BAAAAf39/AAEAAABkAAAAAAAAABQAAABAHwAAAAAAACYAAAAAAAAAwOD//wAAAAAmAAAAZAAAABYAAABMAAAAAAAAAAAAAAAEAAAAAAAAAAEAAADu7OEKAAAAACgAAAAoAAAAZAAAAGQAAAAAAAAAzMzMAAAAAABQAAAAUAAAAGQAAABkAAAAAAAAAAcAAAA4AAAAAAAAAAAAAAAAAAAA////AAAAAAAAAAAAAAAAAAAAAAAAAAAAAAAAAAAAAABkAAAAZAAAAAAAAAAjAAAABAAAAGQAAAAXAAAAFAAAAAAAAAAAAAAA/38AAP9/AAAAAAAACQAAAAQAAAAAAAAAHgAAAGgAAAAAAAAAAAAAAAAAAAAAAAAAAAAAABAnAAAQJwAAAAAAAAAAAAAAAAAAAAAAAAAAAAAAAAAAAAAAAAAAAAAUAAAAAAAAAMDA/wAAAAAAZAAAADIAAAAAAAAAZAAAAAAAAAB/f38ACgAAACIAAAAYAAAAAAAAAAAAAAAAAAAAAAAAAAAAAAAAAAAAJAAAACQAAAAAAAAABwAAAAAAAAAAAAAAAAAAAAAAAAAAAAAAAAAAAH9/fwAlAAAAWAAAAAAAAAAAAAAAAAAAAAAAAAAAAAAAAAAAAAAAAAAAAAAAAAAAAAAAAAAAAAAAPwAAAAAAAACghgEAAAAAAAAAAAAAAAAADAAAAAEAAAAAAAAAAAAAAAAAAAAfAAAAVAAAAE+BvQX///8BAAAAAAAAAAAAAAAAAAAAAAAAAAAAAAAAAAAAAAAAAAAAAAACf39/AO7s4QPMzMwAwMD/AH9/fwAAAAAAAAAAAAAAAAD///8AAAAAACEAAAAYAAAAFAAAAFYYAACaDAAAUjgAABQjAAAQAAAAJgAAAAgAAAD//////////w=="/>
               </a:ext>
             </a:extLst>
           </p:cNvPicPr>
@@ -13596,142 +13791,6 @@
 </p:sld>
 </file>
 
-<file path=ppt/slides/slide38.xml><?xml version="1.0" encoding="utf-8"?>
-<p:sld xmlns:p="http://schemas.openxmlformats.org/presentationml/2006/main" xmlns:mc="http://schemas.openxmlformats.org/markup-compatibility/2006" xmlns:p14="http://schemas.microsoft.com/office/powerpoint/2010/main" xmlns:p15="http://schemas.microsoft.com/office/powerpoint/2012/main" xmlns:r="http://schemas.openxmlformats.org/officeDocument/2006/relationships" xmlns:a="http://schemas.openxmlformats.org/drawingml/2006/main" mc:Ignorable="p14" show="0">
-  <p:cSld>
-    <p:spTree>
-      <p:nvGrpSpPr>
-        <p:cNvPr id="1" name=""/>
-        <p:cNvGrpSpPr/>
-        <p:nvPr/>
-      </p:nvGrpSpPr>
-      <p:grpSpPr>
-        <a:xfrm>
-          <a:off x="0" y="0"/>
-          <a:ext cx="0" cy="0"/>
-          <a:chOff x="0" y="0"/>
-          <a:chExt cx="0" cy="0"/>
-        </a:xfrm>
-      </p:grpSpPr>
-      <p:sp>
-        <p:nvSpPr>
-          <p:cNvPr id="2" name="Titre 1"/>
-          <p:cNvSpPr>
-            <a:spLocks noGrp="1" noChangeArrowheads="1"/>
-            <a:extLst>
-              <a:ext uri="smNativeData">
-                <pr:smNativeData xmlns:pr="smNativeData" xmlns="smNativeData" val="SMDATA_15_JtjWYhMAAAAlAAAAZAAAAA0AAAAAkAAAAEgAAACQAAAASAAAAAAAAAABAAAAAAAAAAEAAABQAAAAAAAAAAAA4D8AAAAAAADgPwAAAAAAAOA/AAAAAAAA4D8AAAAAAADgPwAAAAAAAOA/AAAAAAAA4D8AAAAAAADgPwAAAAAAAOA/AAAAAAAA4D8CAAAAjAAAAAAAAAAAAAAAT4G9DP///wgAAAAAAAAAAAAAAAAAAAAAAAAAAAAAAAAAAAAAZAAAAAEAAABAAAAAAAAAAAAAAAAAAAAAAAAAAAAAAAAAAAAAAAAAAAAAAAAAAAAAAAAAAAAAAAAAAAAAAAAAAAAAAAAAAAAAAAAAAAAAAAAAAAAAAAAAAAAAAAAAAAAAFAAAADwAAAAAAAAAAAAAAAAAAAkUAAAAAQAAABQAAAAUAAAAFAAAAAEAAAAAAAAAZAAAAGQAAAAAAAAAZAAAAGQAAAAVAAAAYAAAAAAAAAAAAAAADwAAACADAAAAAAAAAAAAAAEAAACgMgAAVgcAAKr4//8BAAAAf39/AAEAAABkAAAAAAAAABQAAABAHwAAAAAAACYAAAAAAAAAwOD//wAAAAAmAAAAZAAAABYAAABMAAAAAAAAAAAAAAAEAAAAAAAAAAEAAADu7OEKAAAAACgAAAAoAAAAZAAAAGQAAAAAAAAAzMzMAAAAAABQAAAAUAAAAGQAAABkAAAAAAAAABcAAAAUAAAAAAAAAAAAAAD/fwAA/38AAAAAAAAJAAAABAAAAAAAAAEeAAAAaAAAAAAAAAAAAAAAAAAAAAAAAAAAAAAAECcAABAnAAAAAAAAAAAAAAAAAAAAAAAAAAAAAAAAAAAAAAAAAAAAABQAAAAAAAAAwMD/AAAAAABkAAAAMgAAAAAAAABkAAAAAAAAAH9/fwAKAAAAIgAAABgAAAAAAAAAAAAAAAAAAAAAAAAAAAAAAAAAAAAkAAAAJAAAAAAAAAAHAAAAAAAAAAAAAAAAAAAAAAAAAAAAAAAAAAAAf39/ACUAAABYAAAAAAAAAAAAAAAAAAAAAAAAAAAAAAAAAAAAAAAAAAAAAAAAAAAAAAAAAAAAAAA/AAAAAAAAAKCGAQAAAAAAAAAAAAAAAAAMAAAAAQAAAAAAAAAAAAAAAAAAAB8AAABUAAAAT4G9Bf///wEAAAAAAAAAAAAAAAAAAAAAAAAAAAAAAAAAAAAAAAAAAAAAAAJ/f38A7uzhA8zMzADAwP8Af39/AAAAAAAAAAAAAAAAAAAAAAAAAAAAIQAAABgAAAAUAAAA0AIAALEBAABwNQAAuQgAABAAAAAmAAAACAAAAAAAAAAAAAAA"/>
-              </a:ext>
-            </a:extLst>
-          </p:cNvSpPr>
-          <p:nvPr>
-            <p:ph type="title"/>
-          </p:nvPr>
-        </p:nvSpPr>
-        <p:spPr/>
-        <p:txBody>
-          <a:bodyPr/>
-          <a:lstStyle/>
-          <a:p>
-            <a:pPr>
-              <a:defRPr lang="fr-fr"/>
-            </a:pPr>
-            <a:r>
-              <a:t>Combining moves</a:t>
-            </a:r>
-          </a:p>
-        </p:txBody>
-      </p:sp>
-      <p:sp>
-        <p:nvSpPr>
-          <p:cNvPr id="3" name="Espace réservé du contenu 2"/>
-          <p:cNvSpPr>
-            <a:spLocks noGrp="1" noChangeArrowheads="1"/>
-            <a:extLst>
-              <a:ext uri="smNativeData">
-                <pr:smNativeData xmlns:pr="smNativeData" xmlns="smNativeData" val="SMDATA_15_JtjWYhMAAAAlAAAAZAAAAA0AAAAAkAAAAEgAAACQAAAASAAAAAAAAAAAAAAAAAAAAAEAAABQAAAAAAAAAAAA4D8AAAAAAADgPwAAAAAAAOA/AAAAAAAA4D8AAAAAAADgPwAAAAAAAOA/AAAAAAAA4D8AAAAAAADgPwAAAAAAAOA/AAAAAAAA4D8CAAAAjAAAAAAAAAAAAAAAT4G9DP///wgAAAAAAAAAAAAAAAAAAAAAAAAAAAAAAAAAAAAAZAAAAAEAAABAAAAAAAAAAAAAAAAAAAAAAAAAAAAAAAAAAAAAAAAAAAAAAAAAAAAAAAAAAAAAAAAAAAAAAAAAAAAAAAAAAAAAAAAAAAAAAAAAAAAAAAAAAAAAAAAAAAAAFAAAADwAAAAAAAAAAAAAAAAAAAkUAAAAAQAAABQAAAAUAAAAFAAAAAEAAAAAAAAAZAAAAGQAAAAAAAAAZAAAAGQAAAAVAAAAYAAAAAAAAAAAAAAADwAAACADAAAAAAAAAAAAAAEAAACgMgAAVgcAAKr4//8BAAAAf39/AAEAAABkAAAAAAAAABQAAABAHwAAAAAAACYAAAAAAAAAwOD//wAAAAAmAAAAZAAAABYAAABMAAAAAAAAAAAAAAAEAAAAAAAAAAEAAADu7OEKAAAAACgAAAAoAAAAZAAAAGQAAAAAAAAAzMzMAAAAAABQAAAAUAAAAGQAAABkAAAAAAAAABcAAAAUAAAAAAAAAAAAAAD/fwAA/38AAAAAAAAJAAAABAAAAD7o2aweAAAAaAAAAAAAAAAAAAAAAAAAAAAAAAAAAAAAECcAABAnAAAAAAAAAAAAAAAAAAAAAAAAAAAAAAAAAAAAAAAAAAAAABQAAAAAAAAAwMD/AAAAAABkAAAAMgAAAAAAAABkAAAAAAAAAH9/fwAKAAAAIgAAABgAAAAAAAAAAAAAAAAAAAAAAAAAAAAAAAAAAAAkAAAAJAAAAAAAAAAHAAAAAAAAAAAAAAAAAAAAAAAAAAAAAAAAAAAAf39/ACUAAABYAAAAAAAAAAAAAAAAAAAAAAAAAAAAAAAAAAAAAAAAAAAAAAAAAAAAAAAAAAAAAAA/AAAAAAAAAKCGAQAAAAAAAAAAAAAAAAAMAAAAAQAAAAAAAAAAAAAAAAAAAB8AAABUAAAAT4G9Bf///wEAAAAAAAAAAAAAAAAAAAAAAAAAAAAAAAAAAAAAAAAAAAAAAAJ/f38A7uzhA8zMzADAwP8Af39/AAAAAAAAAAAAAAAAAAAAAAAAAAAAIQAAABgAAAAUAAAA0AIAANgJAABwNQAAsCUAABAAAAAmAAAACAAAAAAAAAAAAAAA"/>
-              </a:ext>
-            </a:extLst>
-          </p:cNvSpPr>
-          <p:nvPr>
-            <p:ph type="body" idx="1"/>
-          </p:nvPr>
-        </p:nvSpPr>
-        <p:spPr/>
-        <p:txBody>
-          <a:bodyPr/>
-          <a:lstStyle/>
-          <a:p>
-            <a:pPr>
-              <a:buNone/>
-              <a:defRPr lang="fr-fr"/>
-            </a:pPr>
-            <a:r>
-              <a:t>moveIndex = 0</a:t>
-            </a:r>
-          </a:p>
-          <a:p>
-            <a:pPr>
-              <a:buNone/>
-              <a:defRPr lang="fr-fr"/>
-            </a:pPr>
-            <a:r>
-              <a:t>moves[moveIndex++] = mvSlice(A)</a:t>
-            </a:r>
-          </a:p>
-          <a:p>
-            <a:pPr>
-              <a:buNone/>
-              <a:defRPr lang="fr-fr"/>
-            </a:pPr>
-            <a:r>
-              <a:t>moves[moveIndex++] = mvSlice(lalpha)</a:t>
-            </a:r>
-          </a:p>
-          <a:p>
-            <a:pPr>
-              <a:buNone/>
-              <a:defRPr lang="fr-fr"/>
-            </a:pPr>
-            <a:r>
-              <a:t>moves[moveIndex++] = mvSlide(A)</a:t>
-            </a:r>
-          </a:p>
-          <a:p>
-            <a:pPr>
-              <a:buNone/>
-              <a:defRPr lang="fr-fr"/>
-            </a:pPr>
-            <a:r>
-              <a:t>moves[moveIndex++] = mvSlide(lalpha)</a:t>
-            </a:r>
-          </a:p>
-          <a:p>
-            <a:pPr>
-              <a:buNone/>
-              <a:defRPr lang="fr-fr"/>
-            </a:pPr>
-            <a:r>
-              <a:t>moves[moveIndex++] = mvScale(A)</a:t>
-            </a:r>
-          </a:p>
-        </p:txBody>
-      </p:sp>
-    </p:spTree>
-  </p:cSld>
-  <p:clrMapOvr>
-    <a:masterClrMapping/>
-  </p:clrMapOvr>
-  <p:timing>
-    <p:tnLst>
-      <p:par>
-        <p:cTn id="1" dur="indefinite" restart="never" nodeType="tmRoot"/>
-      </p:par>
-    </p:tnLst>
-  </p:timing>
-</p:sld>
-</file>
-
 <file path=ppt/slides/slide39.xml><?xml version="1.0" encoding="utf-8"?>
 <p:sld xmlns:p="http://schemas.openxmlformats.org/presentationml/2006/main" xmlns:mc="http://schemas.openxmlformats.org/markup-compatibility/2006" xmlns:p14="http://schemas.microsoft.com/office/powerpoint/2010/main" xmlns:p15="http://schemas.microsoft.com/office/powerpoint/2012/main" xmlns:r="http://schemas.openxmlformats.org/officeDocument/2006/relationships" xmlns:a="http://schemas.openxmlformats.org/drawingml/2006/main" mc:Ignorable="p14" show="0">
   <p:cSld>
@@ -13756,7 +13815,441 @@
             <a:spLocks noGrp="1" noChangeArrowheads="1"/>
             <a:extLst>
               <a:ext uri="smNativeData">
-                <pr:smNativeData xmlns:pr="smNativeData" xmlns="smNativeData" val="SMDATA_15_JtjWYhMAAAAlAAAAZAAAAA0AAAAAkAAAAEgAAACQAAAASAAAAAAAAAABAAAAAAAAAAEAAABQAAAAAAAAAAAA4D8AAAAAAADgPwAAAAAAAOA/AAAAAAAA4D8AAAAAAADgPwAAAAAAAOA/AAAAAAAA4D8AAAAAAADgPwAAAAAAAOA/AAAAAAAA4D8CAAAAjAAAAAAAAAAAAAAAT4G9DP///wgAAAAAAAAAAAAAAAAAAAAAAAAAAAAAAAAAAAAAZAAAAAEAAABAAAAAAAAAAAAAAAAAAAAAAAAAAAAAAAAAAAAAAAAAAAAAAAAAAAAAAAAAAAAAAAAAAAAAAAAAAAAAAAAAAAAAAAAAAAAAAAAAAAAAAAAAAAAAAAAAAAAAFAAAADwAAAAAAAAAAAAAAAAAAAkUAAAAAQAAABQAAAAUAAAAFAAAAAEAAAAAAAAAZAAAAGQAAAAAAAAAZAAAAGQAAAAVAAAAYAAAAAAAAAAAAAAADwAAACADAAAAAAAAAAAAAAEAAACgMgAAVgcAAKr4//8BAAAAf39/AAEAAABkAAAAAAAAABQAAABAHwAAAAAAACYAAAAAAAAAwOD//wAAAAAmAAAAZAAAABYAAABMAAAAAAAAAAAAAAAEAAAAAAAAAAEAAADu7OEKAAAAACgAAAAoAAAAZAAAAGQAAAAAAAAAzMzMAAAAAABQAAAAUAAAAGQAAABkAAAAAAAAABcAAAAUAAAAAAAAAAAAAAD/fwAA/38AAAAAAAAJAAAABAAAAAZfBl4eAAAAaAAAAAAAAAAAAAAAAAAAAAAAAAAAAAAAECcAABAnAAAAAAAAAAAAAAAAAAAAAAAAAAAAAAAAAAAAAAAAAAAAABQAAAAAAAAAwMD/AAAAAABkAAAAMgAAAAAAAABkAAAAAAAAAH9/fwAKAAAAIgAAABgAAAAAAAAAAAAAAAAAAAAAAAAAAAAAAAAAAAAkAAAAJAAAAAAAAAAHAAAAAAAAAAAAAAAAAAAAAAAAAAAAAAAAAAAAf39/ACUAAABYAAAAAAAAAAAAAAAAAAAAAAAAAAAAAAAAAAAAAAAAAAAAAAAAAAAAAAAAAAAAAAA/AAAAAAAAAKCGAQAAAAAAAAAAAAAAAAAMAAAAAQAAAAAAAAAAAAAAAAAAAB8AAABUAAAAT4G9Bf///wEAAAAAAAAAAAAAAAAAAAAAAAAAAAAAAAAAAAAAAAAAAAAAAAJ/f38A7uzhA8zMzADAwP8Af39/AAAAAAAAAAAAAAAAAAAAAAAAAAAAIQAAABgAAAAUAAAA0AIAAAAAAABwNQAACAcAABAAAAAmAAAACAAAAAEgAAAAAAAA"/>
+                <pr:smNativeData xmlns:pr="smNativeData" xmlns="smNativeData" val="SMDATA_15_iunWYhMAAAAlAAAAZAAAAA0AAAAAkAAAAEgAAACQAAAASAAAAAAAAAABAAAAAAAAAAEAAABQAAAAAAAAAAAA4D8AAAAAAADgPwAAAAAAAOA/AAAAAAAA4D8AAAAAAADgPwAAAAAAAOA/AAAAAAAA4D8AAAAAAADgPwAAAAAAAOA/AAAAAAAA4D8CAAAAjAAAAAAAAAAAAAAAT4G9DP///wgAAAAAAAAAAAAAAAAAAAAAAAAAAAAAAAAAAAAAZAAAAAEAAABAAAAAAAAAAAAAAAAAAAAAAAAAAAAAAAAAAAAAAAAAAAAAAAAAAAAAAAAAAAAAAAAAAAAAAAAAAAAAAAAAAAAAAAAAAAAAAAAAAAAAAAAAAAAAAAAAAAAAFAAAADwAAAAAAAAAAAAAAAAAAAkUAAAAAQAAABQAAAAUAAAAFAAAAAEAAAAAAAAAZAAAAGQAAAAAAAAAZAAAAGQAAAAVAAAAYAAAAAAAAAAAAAAADwAAACADAAAAAAAAAAAAAAEAAACgMgAAVgcAAKr4//8BAAAAf39/AAEAAABkAAAAAAAAABQAAABAHwAAAAAAACYAAAAAAAAAwOD//wAAAAAmAAAAZAAAABYAAABMAAAAAAAAAAAAAAAEAAAAAAAAAAEAAADu7OEKAAAAACgAAAAoAAAAZAAAAGQAAAAAAAAAzMzMAAAAAABQAAAAUAAAAGQAAABkAAAAAAAAABcAAAAUAAAAAAAAAAAAAAD/fwAA/38AAAAAAAAJAAAABAAAAAAAAAEeAAAAaAAAAAAAAAAAAAAAAAAAAAAAAAAAAAAAECcAABAnAAAAAAAAAAAAAAAAAAAAAAAAAAAAAAAAAAAAAAAAAAAAABQAAAAAAAAAwMD/AAAAAABkAAAAMgAAAAAAAABkAAAAAAAAAH9/fwAKAAAAIgAAABgAAAAAAAAAAAAAAAAAAAAAAAAAAAAAAAAAAAAkAAAAJAAAAAAAAAAHAAAAAAAAAAAAAAAAAAAAAAAAAAAAAAAAAAAAf39/ACUAAABYAAAAAAAAAAAAAAAAAAAAAAAAAAAAAAAAAAAAAAAAAAAAAAAAAAAAAAAAAAAAAAA/AAAAAAAAAKCGAQAAAAAAAAAAAAAAAAAMAAAAAQAAAAAAAAAAAAAAAAAAAB8AAABUAAAAT4G9Bf///wEAAAAAAAAAAAAAAAAAAAAAAAAAAAAAAAAAAAAAAAAAAAAAAAJ/f38A7uzhA8zMzADAwP8Af39/AAAAAAAAAAAAAAAAAAAAAAAAAAAAIQAAABgAAAAUAAAA0AIAALEBAABwNQAAuQgAABAAAAAmAAAACAAAAAAAAAAAAAAA"/>
+              </a:ext>
+            </a:extLst>
+          </p:cNvSpPr>
+          <p:nvPr>
+            <p:ph type="title"/>
+          </p:nvPr>
+        </p:nvSpPr>
+        <p:spPr/>
+        <p:txBody>
+          <a:bodyPr/>
+          <a:lstStyle/>
+          <a:p>
+            <a:pPr>
+              <a:defRPr lang="fr-fr"/>
+            </a:pPr>
+            <a:r>
+              <a:t>Combining moves</a:t>
+            </a:r>
+          </a:p>
+        </p:txBody>
+      </p:sp>
+      <p:sp>
+        <p:nvSpPr>
+          <p:cNvPr id="3" name="Espace réservé du contenu 2"/>
+          <p:cNvSpPr>
+            <a:spLocks noGrp="1" noChangeArrowheads="1"/>
+            <a:extLst>
+              <a:ext uri="smNativeData">
+                <pr:smNativeData xmlns:pr="smNativeData" xmlns="smNativeData" val="SMDATA_15_iunWYhMAAAAlAAAAZAAAAA0AAAAAkAAAAEgAAACQAAAASAAAAAAAAAAAAAAAAAAAAAEAAABQAAAAAAAAAAAA4D8AAAAAAADgPwAAAAAAAOA/AAAAAAAA4D8AAAAAAADgPwAAAAAAAOA/AAAAAAAA4D8AAAAAAADgPwAAAAAAAOA/AAAAAAAA4D8CAAAAjAAAAAAAAAAAAAAAT4G9DP///wgAAAAAAAAAAAAAAAAAAAAAAAAAAAAAAAAAAAAAZAAAAAEAAABAAAAAAAAAAAAAAAAAAAAAAAAAAAAAAAAAAAAAAAAAAAAAAAAAAAAAAAAAAAAAAAAAAAAAAAAAAAAAAAAAAAAAAAAAAAAAAAAAAAAAAAAAAAAAAAAAAAAAFAAAADwAAAAAAAAAAAAAAAAAAAkUAAAAAQAAABQAAAAUAAAAFAAAAAEAAAAAAAAAZAAAAGQAAAAAAAAAZAAAAGQAAAAVAAAAYAAAAAAAAAAAAAAADwAAACADAAAAAAAAAAAAAAEAAACgMgAAVgcAAKr4//8BAAAAf39/AAEAAABkAAAAAAAAABQAAABAHwAAAAAAACYAAAAAAAAAwOD//wAAAAAmAAAAZAAAABYAAABMAAAAAAAAAAAAAAAEAAAAAAAAAAEAAADu7OEKAAAAACgAAAAoAAAAZAAAAGQAAAAAAAAAzMzMAAAAAABQAAAAUAAAAGQAAABkAAAAAAAAABcAAAAUAAAAAAAAAAAAAAD/fwAA/38AAAAAAAAJAAAABAAAAD7o2aweAAAAaAAAAAAAAAAAAAAAAAAAAAAAAAAAAAAAECcAABAnAAAAAAAAAAAAAAAAAAAAAAAAAAAAAAAAAAAAAAAAAAAAABQAAAAAAAAAwMD/AAAAAABkAAAAMgAAAAAAAABkAAAAAAAAAH9/fwAKAAAAIgAAABgAAAAAAAAAAAAAAAAAAAAAAAAAAAAAAAAAAAAkAAAAJAAAAAAAAAAHAAAAAAAAAAAAAAAAAAAAAAAAAAAAAAAAAAAAf39/ACUAAABYAAAAAAAAAAAAAAAAAAAAAAAAAAAAAAAAAAAAAAAAAAAAAAAAAAAAAAAAAAAAAAA/AAAAAAAAAKCGAQAAAAAAAAAAAAAAAAAMAAAAAQAAAAAAAAAAAAAAAAAAAB8AAABUAAAAT4G9Bf///wEAAAAAAAAAAAAAAAAAAAAAAAAAAAAAAAAAAAAAAAAAAAAAAAJ/f38A7uzhA8zMzADAwP8Af39/AAAAAAAAAAAAAAAAAAAAAAAAAAAAIQAAABgAAAAUAAAA0AIAANgJAABwNQAAsCUAABAAAAAmAAAACAAAAAAAAAAAAAAA"/>
+              </a:ext>
+            </a:extLst>
+          </p:cNvSpPr>
+          <p:nvPr>
+            <p:ph type="body" idx="1"/>
+          </p:nvPr>
+        </p:nvSpPr>
+        <p:spPr/>
+        <p:txBody>
+          <a:bodyPr/>
+          <a:lstStyle/>
+          <a:p>
+            <a:pPr>
+              <a:buNone/>
+              <a:defRPr lang="fr-fr"/>
+            </a:pPr>
+            <a:r>
+              <a:t>moveIndex = 0</a:t>
+            </a:r>
+          </a:p>
+          <a:p>
+            <a:pPr>
+              <a:buNone/>
+              <a:defRPr lang="fr-fr"/>
+            </a:pPr>
+            <a:r>
+              <a:t>moves[moveIndex++] = mvSlice(A)</a:t>
+            </a:r>
+          </a:p>
+          <a:p>
+            <a:pPr>
+              <a:buNone/>
+              <a:defRPr lang="fr-fr"/>
+            </a:pPr>
+            <a:r>
+              <a:t>moves[moveIndex++] = mvSlice(lalpha)</a:t>
+            </a:r>
+          </a:p>
+          <a:p>
+            <a:pPr>
+              <a:buNone/>
+              <a:defRPr lang="fr-fr"/>
+            </a:pPr>
+            <a:r>
+              <a:t>moves[moveIndex++] = mvSlide(A)</a:t>
+            </a:r>
+          </a:p>
+          <a:p>
+            <a:pPr>
+              <a:buNone/>
+              <a:defRPr lang="fr-fr"/>
+            </a:pPr>
+            <a:r>
+              <a:t>moves[moveIndex++] = mvSlide(lalpha)</a:t>
+            </a:r>
+          </a:p>
+          <a:p>
+            <a:pPr>
+              <a:buNone/>
+              <a:defRPr lang="fr-fr"/>
+            </a:pPr>
+            <a:r>
+              <a:t>moves[moveIndex++] = mvScale(A)</a:t>
+            </a:r>
+          </a:p>
+        </p:txBody>
+      </p:sp>
+    </p:spTree>
+  </p:cSld>
+  <p:clrMapOvr>
+    <a:masterClrMapping/>
+  </p:clrMapOvr>
+  <p:timing>
+    <p:tnLst>
+      <p:par>
+        <p:cTn id="1" dur="indefinite" restart="never" nodeType="tmRoot"/>
+      </p:par>
+    </p:tnLst>
+  </p:timing>
+</p:sld>
+</file>
+
+<file path=ppt/slides/slide4.xml><?xml version="1.0" encoding="utf-8"?>
+<p:sld xmlns:p="http://schemas.openxmlformats.org/presentationml/2006/main" xmlns:mc="http://schemas.openxmlformats.org/markup-compatibility/2006" xmlns:p14="http://schemas.microsoft.com/office/powerpoint/2010/main" xmlns:p15="http://schemas.microsoft.com/office/powerpoint/2012/main" xmlns:r="http://schemas.openxmlformats.org/officeDocument/2006/relationships" xmlns:a="http://schemas.openxmlformats.org/drawingml/2006/main" mc:Ignorable="p14">
+  <p:cSld>
+    <p:spTree>
+      <p:nvGrpSpPr>
+        <p:cNvPr id="1" name=""/>
+        <p:cNvGrpSpPr/>
+        <p:nvPr/>
+      </p:nvGrpSpPr>
+      <p:grpSpPr>
+        <a:xfrm>
+          <a:off x="0" y="0"/>
+          <a:ext cx="0" cy="0"/>
+          <a:chOff x="0" y="0"/>
+          <a:chExt cx="0" cy="0"/>
+        </a:xfrm>
+      </p:grpSpPr>
+      <p:pic>
+        <p:nvPicPr>
+          <p:cNvPr id="2" name="Image 3"/>
+          <p:cNvPicPr>
+            <a:picLocks noChangeAspect="1"/>
+            <a:extLst>
+              <a:ext uri="smNativeData">
+                <pr:smNativeData xmlns:pr="smNativeData" xmlns="smNativeData" val="SMDATA_17_iunWYhMAAAAlAAAAEQAAAC0AAAAAkAAAAEgAAACQAAAASAAAAAAAAAAAAAAAAAAAAAEAAABQAAAAAAAAAAAA4D8AAAAAAADgPwAAAAAAAOA/AAAAAAAA4D8AAAAAAADgPwAAAAAAAOA/AAAAAAAA4D8AAAAAAADgPwAAAAAAAOA/AAAAAAAA4D8CAAAAjAAAAAAAAAAAAAAAT4G9DP///wgAAAAAAAAAAAAAAAAAAAAAAAAAAAAAAAAAAAAAZAAAAAEAAABAAAAAAAAAAAAAAAAAAAAAAAAAAAAAAAAAAAAAAAAAAAAAAAAAAAAAAAAAAAAAAAAAAAAAAAAAAAAAAAAAAAAAAAAAAAAAAAAAAAAAAAAAAAAAAAAAAAAAFAAAADwAAAAAAAAAAAAAAAAAAAkUAAAAAQAAABQAAAAUAAAAFAAAAAEAAAAAAAAAZAAAAGQAAAAAAAAAZAAAAGQAAAAVAAAAYAAAAAAAAAAAAAAADwAAACADAAAAAAAAAAAAAAEAAACgMgAAVgcAAKr4//8BAAAAf39/AAEAAABkAAAAAAAAABQAAABAHwAAAAAAACYAAAAAAAAAwOD//wAAAAAmAAAAZAAAABYAAABMAAAAAAAAAAAAAAAEAAAAAAAAAAEAAADu7OEKAAAAACgAAAAoAAAAZAAAAGQAAAAAAAAAzMzMAAAAAABQAAAAUAAAAGQAAABkAAAAAAAAAAcAAAA4AAAAAAAAAAAAAAAAAAAA////AAAAAAAAAAAAAAAAAAAAAAAAAAAAAAAAAAAAAABkAAAAZAAAAAAAAAAjAAAABAAAAGQAAAAXAAAAFAAAAAAAAAAAAAAA/38AAP9/AAAAAAAACQAAAAQAAAAAAAAAHgAAAGgAAAAAAAAAAAAAAAAAAAAAAAAAAAAAABAnAAAQJwAAAAAAAAAAAAAAAAAAAAAAAAAAAAAAAAAAAAAAAAAAAAAUAAAAAAAAAMDA/wAAAAAAZAAAADIAAAAAAAAAZAAAAAAAAAB/f38ACgAAACIAAAAYAAAAAAAAAAAAAAAAAAAAAAAAAAAAAAAAAAAAJAAAACQAAAAAAAAABwAAAAAAAAAAAAAAAAAAAAAAAAAAAAAAAAAAAH9/fwAlAAAAWAAAAAAAAAAAAAAAAAAAAAAAAAAAAAAAAAAAAAAAAAAAAAAAAAAAAAAAAAAAAAAAPwAAAAAAAACghgEAAAAAAAAAAAAAAAAADAAAAAEAAAAAAAAAAAAAAAAAAAAfAAAAVAAAAE+BvQX///8BAAAAAAAAAAAAAAAAAAAAAAAAAAAAAAAAAAAAAAAAAAAAAAACf39/AO7s4QPMzMwAwMD/AH9/fwAAAAAAAAAAAAAAAAD///8AAAAAACEAAAAYAAAAFAAAAAEnAADICgAAcDUAAJIYAAAQAAAAJgAAAAgAAAD//////////w=="/>
+              </a:ext>
+            </a:extLst>
+          </p:cNvPicPr>
+          <p:nvPr/>
+        </p:nvPicPr>
+        <p:blipFill>
+          <a:blip r:embed="rId2"/>
+          <a:stretch>
+            <a:fillRect/>
+          </a:stretch>
+        </p:blipFill>
+        <p:spPr>
+          <a:xfrm>
+            <a:off x="6340475" y="1752600"/>
+            <a:ext cx="2346325" cy="2241550"/>
+          </a:xfrm>
+          <a:prstGeom prst="rect">
+            <a:avLst/>
+          </a:prstGeom>
+          <a:noFill/>
+          <a:ln>
+            <a:noFill/>
+          </a:ln>
+          <a:effectLst/>
+        </p:spPr>
+      </p:pic>
+      <p:sp>
+        <p:nvSpPr>
+          <p:cNvPr id="3" name="Titre 1"/>
+          <p:cNvSpPr>
+            <a:spLocks noGrp="1" noChangeArrowheads="1"/>
+            <a:extLst>
+              <a:ext uri="smNativeData">
+                <pr:smNativeData xmlns:pr="smNativeData" xmlns="smNativeData" val="SMDATA_15_iunWYhMAAAAlAAAAZAAAAA0AAAAAkAAAAEgAAACQAAAASAAAAAAAAAABAAAAAAAAAAEAAABQAAAAAAAAAAAA4D8AAAAAAADgPwAAAAAAAOA/AAAAAAAA4D8AAAAAAADgPwAAAAAAAOA/AAAAAAAA4D8AAAAAAADgPwAAAAAAAOA/AAAAAAAA4D8CAAAAjAAAAAAAAAAAAAAAT4G9DP///wgAAAAAAAAAAAAAAAAAAAAAAAAAAAAAAAAAAAAAZAAAAAEAAABAAAAAAAAAAAAAAAAAAAAAAAAAAAAAAAAAAAAAAAAAAAAAAAAAAAAAAAAAAAAAAAAAAAAAAAAAAAAAAAAAAAAAAAAAAAAAAAAAAAAAAAAAAAAAAAAAAAAAFAAAADwAAAAAAAAAAAAAAAAAAAkUAAAAAQAAABQAAAAUAAAAFAAAAAEAAAAAAAAAZAAAAGQAAAAAAAAAZAAAAGQAAAAVAAAAYAAAAAAAAAAAAAAADwAAACADAAAAAAAAAAAAAAEAAACgMgAAVgcAAKr4//8BAAAAf39/AAEAAABkAAAAAAAAABQAAABAHwAAAAAAACYAAAAAAAAAwOD//wAAAAAmAAAAZAAAABYAAABMAAAAAAAAAAAAAAAEAAAAAAAAAAEAAADu7OEKAAAAACgAAAAoAAAAZAAAAGQAAAAAAAAAzMzMAAAAAABQAAAAUAAAAGQAAABkAAAAAAAAABcAAAAUAAAAAAAAAAAAAAD/fwAA/38AAAAAAAAJAAAABAAAAP////8eAAAAaAAAAAAAAAAAAAAAAAAAAAAAAAAAAAAAECcAABAnAAAAAAAAAAAAAAAAAAAAAAAAAAAAAAAAAAAAAAAAAAAAABQAAAAAAAAAwMD/AAAAAABkAAAAMgAAAAAAAABkAAAAAAAAAH9/fwAKAAAAIgAAABgAAAAAAAAAAAAAAAAAAAAAAAAAAAAAAAAAAAAkAAAAJAAAAAAAAAAHAAAAAAAAAAAAAAAAAAAAAAAAAAAAAAAAAAAAf39/ACUAAABYAAAAAAAAAAAAAAAAAAAAAAAAAAAAAAAAAAAAAAAAAAAAAAAAAAAAAAAAAAAAAAA/AAAAAAAAAKCGAQAAAAAAAAAAAAAAAAAMAAAAAQAAAAAAAAAAAAAAAAAAAB8AAABUAAAAT4G9Bf///wEAAAAAAAAAAAAAAAAAAAAAAAAAAAAAAAAAAAAAAAAAAAAAAAJ/f38A7uzhA8zMzADAwP8Af39/AAAAAAAAAAAAAAAAAAAAAAAAAAAAIQAAABgAAAAUAAAA0AIAALEBAABwNQAAuQgAABAAAAAmAAAACAAAAAAAAAAAAAAA"/>
+              </a:ext>
+            </a:extLst>
+          </p:cNvSpPr>
+          <p:nvPr>
+            <p:ph type="title"/>
+          </p:nvPr>
+        </p:nvSpPr>
+        <p:spPr/>
+        <p:txBody>
+          <a:bodyPr/>
+          <a:lstStyle/>
+          <a:p>
+            <a:pPr>
+              <a:defRPr lang="fr-fr"/>
+            </a:pPr>
+            <a:r>
+              <a:t>Graphical models in RevBayes</a:t>
+            </a:r>
+          </a:p>
+        </p:txBody>
+      </p:sp>
+      <p:sp>
+        <p:nvSpPr>
+          <p:cNvPr id="4" name="Espace réservé du contenu 2"/>
+          <p:cNvSpPr>
+            <a:spLocks noGrp="1" noChangeArrowheads="1"/>
+            <a:extLst>
+              <a:ext uri="smNativeData">
+                <pr:smNativeData xmlns:pr="smNativeData" xmlns="smNativeData" val="SMDATA_15_iunWYhMAAAAlAAAAZAAAAA0AAAAAkAAAAEgAAACQAAAASAAAAAAAAAAAAAAAAAAAAAEAAABQAAAAAAAAAAAA4D8AAAAAAADgPwAAAAAAAOA/AAAAAAAA4D8AAAAAAADgPwAAAAAAAOA/AAAAAAAA4D8AAAAAAADgPwAAAAAAAOA/AAAAAAAA4D8CAAAAjAAAAAAAAAAAAAAAT4G9DP///wgAAAAAAAAAAAAAAAAAAAAAAAAAAAAAAAAAAAAAZAAAAAEAAABAAAAAAAAAAAAAAAAAAAAAAAAAAAAAAAAAAAAAAAAAAAAAAAAAAAAAAAAAAAAAAAAAAAAAAAAAAAAAAAAAAAAAAAAAAAAAAAAAAAAAAAAAAAAAAAAAAAAAFAAAADwAAAAAAAAAAAAAAAAAAAkUAAAAAQAAABQAAAAUAAAAFAAAAAEAAAAAAAAAZAAAAGQAAAAAAAAAZAAAAGQAAAAVAAAAYAAAAAAAAAAAAAAADwAAACADAAAAAAAAAAAAAAEAAACgMgAAVgcAAKr4//8BAAAAf39/AAEAAABkAAAAAAAAABQAAABAHwAAAAAAACYAAAAAAAAAwOD//wAAAAAmAAAAZAAAABYAAABMAAAAAAAAAAAAAAAEAAAAAAAAAAEAAADu7OEKAAAAACgAAAAoAAAAZAAAAGQAAAAAAAAAzMzMAAAAAABQAAAAUAAAAGQAAABkAAAAAAAAABcAAAAUAAAAAAAAAAAAAAD/fwAA/38AAAAAAAAJAAAABAAAAEFBQUEeAAAAaAAAAAAAAAAAAAAAAAAAAAAAAAAAAAAAECcAABAnAAAAAAAAAAAAAAAAAAAAAAAAAAAAAAAAAAAAAAAAAAAAABQAAAAAAAAAwMD/AAAAAABkAAAAMgAAAAAAAABkAAAAAAAAAH9/fwAKAAAAIgAAABgAAAAAAAAAAAAAAAAAAAAAAAAAAAAAAAAAAAAkAAAAJAAAAAAAAAAHAAAAAAAAAAAAAAAAAAAAAAAAAAAAAAAAAAAAf39/ACUAAABYAAAAAAAAAAAAAAAAAAAAAAAAAAAAAAAAAAAAAAAAAAAAAAAAAAAAAAAAAAAAAAA/AAAAAAAAAKCGAQAAAAAAAAAAAAAAAAAMAAAAAQAAAAAAAAAAAAAAAAAAAB8AAABUAAAAT4G9Bf///wEAAAAAAAAAAAAAAAAAAAAAAAAAAAAAAAAAAAAAAAAAAAAAAAJ/f38A7uzhA8zMzADAwP8Af39/AAAAAAAAAAAAAAAAAAAAAAAAAAAAIQAAABgAAAAUAAAA0AIAANgJAAAwKgAAyCgAABAAAAAmAAAACAAAAAEAAAAAAAAA"/>
+              </a:ext>
+            </a:extLst>
+          </p:cNvSpPr>
+          <p:nvPr>
+            <p:ph type="body" idx="1"/>
+          </p:nvPr>
+        </p:nvSpPr>
+        <p:spPr>
+          <a:xfrm>
+            <a:off x="457200" y="1600200"/>
+            <a:ext cx="6400800" cy="5029200"/>
+          </a:xfrm>
+        </p:spPr>
+        <p:txBody>
+          <a:bodyPr/>
+          <a:lstStyle/>
+          <a:p>
+            <a:pPr>
+              <a:defRPr lang="fr-fr"/>
+            </a:pPr>
+            <a:r>
+              <a:t>Graphical models provide a simple way to represent probabilistic models</a:t>
+            </a:r>
+          </a:p>
+          <a:p>
+            <a:pPr>
+              <a:defRPr lang="fr-fr"/>
+            </a:pPr>
+            <a:r>
+              <a:t>They are also a powerful way to identify </a:t>
+            </a:r>
+            <a:r>
+              <a:rPr lang="fr-fr" cap="none">
+                <a:solidFill>
+                  <a:schemeClr val="accent2"/>
+                </a:solidFill>
+              </a:rPr>
+              <a:t>conditionally </a:t>
+            </a:r>
+            <a:r>
+              <a:rPr lang="fr-fr" cap="none">
+                <a:solidFill>
+                  <a:schemeClr val="tx2"/>
+                </a:solidFill>
+              </a:rPr>
+              <a:t>independent </a:t>
+            </a:r>
+            <a:r>
+              <a:rPr lang="fr-fr" cap="none">
+                <a:solidFill>
+                  <a:schemeClr val="accent3"/>
+                </a:solidFill>
+              </a:rPr>
+              <a:t>variables</a:t>
+            </a:r>
+            <a:r>
+              <a:t>: </a:t>
+            </a:r>
+          </a:p>
+          <a:p>
+            <a:pPr lvl="1">
+              <a:defRPr lang="fr-fr"/>
+            </a:pPr>
+            <a:r>
+              <a:t>In RevBayes, objects are programmed in such a way that algorithms naturally benefit from conditional independence </a:t>
+            </a:r>
+          </a:p>
+        </p:txBody>
+      </p:sp>
+      <p:sp>
+        <p:nvSpPr>
+          <p:cNvPr id="5" name="Ellipse 4"/>
+          <p:cNvSpPr>
+            <a:extLst>
+              <a:ext uri="smNativeData">
+                <pr:smNativeData xmlns:pr="smNativeData" xmlns="smNativeData" val="SMDATA_15_iunWYhMAAAAlAAAAZgAAAA0AAAAAkAAAAEgAAACQAAAASAAAAAAAAAABAAAAAAAAAAEAAABQAAAAAAAAAAAA8D8AAAAAAADwPwAAAAAAAOA/AAAAAAAA4D8AAAAAAADgPwAAAAAAAOA/AAAAAAAA4D8AAAAAAADgPwAAAAAAAOA/AAAAAAAA4D8CAAAAjAAAAAEAAAAAAAAAwFBNAKbC/wAAAAAAAAAAAAAAAAAAAAAAAAAAAAAAAAAAAAAAZAAAAAEAAABAAAAAAAAAAJz///9aAAAAAAAAAAAAAAAAAAAAAAAAAAAAAAAAAAAAAAAAAAAAAAAAAAAAAAAAAAAAAAAAAAAAAAAAAAAAAAAAAAAAAAAAAAAAAAAAAAAAFAAAADwAAAAAAAAAAAAAAEl9vAAPAAAAAQAAABQAAAAUAAAAFAAAAAEAAAAAAAAAZAAAAGQAAAAAAAAAZAAAAGQAAAAVAAAAYAAAAAAAAAAAAAAADwAAACADAAAAAAAAAAAAAAEAAACgMgAAVgcAAKr4//8BAAAAf39/AAEAAABkAAAAAAAAABQAAABAHwAAAAAAACYAAAAAAAAAwOD//wAAAAAmAAAAZAAAABYAAABMAAAAAAAAAAAAAAAEAAAAAAAAAAEAAADu7OEKAAAAACgAAAAoAAAAZAAAAGQAAAAAAAAAzMzMAAAAAABQAAAAUAAAAGQAAABkAAAAAAAAABcAAAAUAAAAAAAAAAAAAAD/fwAA/38AAAAAAAAJAAAABAAAAAAAAHAeAAAAaAAAAAAAAAAAAAAAAAAAAAAAAAAAAAAAECcAABAnAAAAAAAAAAAAAAAAAAAAAAAAAAAAAAAAAAAAAAAAAAAAABQAAAAAAAAAwMD/AAAAAABkAAAAMgAAAAAAAABkAAAAAAAAAH9/fwAKAAAAIgAAABgAAAAAAAAAAAAAAAAAAAAAAAAAAAAAAAAAAAAkAAAAJAAAAAAAAAAHAAAAAAAAAAAAAAAAAAAAAAAAAAAAAAAAAAAAf39/ACUAAABYAAAAAAAAAAAAAAAAAAAAAAAAAAAAAAAAAAAAAAAAAAAAAAAAAAAAAAAAAAAAAAA/AAAAAAAAAKCGAQAAAAAAAAAAAAAAAAAMAAAAAQAAAAAAAAAAAAAAAAAAAB8AAABUAAAAwFBNAKbC/wAAAAAAAAAAAAAAAAAAAAAAAAAAAAAAAAAAAAAAAAAAAEl9vAB/f38A7uzhA8zMzADAwP8Af39/AAAAAAAAAAAAAAAAAAAAAAAAAAAAIQAAABgAAAAUAAAA5CoAAOAQAADdLAAAwBIAABAAAAAmAAAACAAAAP//////////"/>
+              </a:ext>
+            </a:extLst>
+          </p:cNvSpPr>
+          <p:nvPr/>
+        </p:nvSpPr>
+        <p:spPr>
+          <a:xfrm>
+            <a:off x="6972300" y="2743200"/>
+            <a:ext cx="320675" cy="304800"/>
+          </a:xfrm>
+          <a:prstGeom prst="ellipse">
+            <a:avLst/>
+          </a:prstGeom>
+          <a:solidFill>
+            <a:srgbClr val="C0504D"/>
+          </a:solidFill>
+          <a:ln>
+            <a:noFill/>
+          </a:ln>
+          <a:effectLst/>
+        </p:spPr>
+        <p:txBody>
+          <a:bodyPr vert="horz" wrap="square" lIns="91440" tIns="45720" rIns="91440" bIns="45720" numCol="1" spcCol="215900" anchor="ctr"/>
+          <a:lstStyle/>
+          <a:p>
+            <a:pPr algn="ctr">
+              <a:defRPr lang="fr-fr" cap="none">
+                <a:solidFill>
+                  <a:srgbClr val="FFFFFF"/>
+                </a:solidFill>
+              </a:defRPr>
+            </a:pPr>
+          </a:p>
+        </p:txBody>
+      </p:sp>
+      <p:sp>
+        <p:nvSpPr>
+          <p:cNvPr id="6" name="Ellipse 5"/>
+          <p:cNvSpPr>
+            <a:extLst>
+              <a:ext uri="smNativeData">
+                <pr:smNativeData xmlns:pr="smNativeData" xmlns="smNativeData" val="SMDATA_15_iunWYhMAAAAlAAAAZgAAAA0AAAAAkAAAAEgAAACQAAAASAAAAAAAAAABAAAAAAAAAAEAAABQAAAAAAAAAAAA8D8AAAAAAADwPwAAAAAAAOA/AAAAAAAA4D8AAAAAAADgPwAAAAAAAOA/AAAAAAAA4D8AAAAAAADgPwAAAAAAAOA/AAAAAAAA4D8CAAAAjAAAAAEAAAAAAAAAH0l9C6bC/wAAAAAAAAAAAAAAAAAAAAAAAAAAAAAAAAAAAAAAZAAAAAEAAABAAAAAAAAAAJz///9aAAAAAAAAAAAAAAAAAAAAAAAAAAAAAAAAAAAAAAAAAAAAAAAAAAAAAAAAAAAAAAAAAAAAAAAAAAAAAAAAAAAAAAAAAAAAAAAAAAAAFAAAADwAAAAAAAAAAAAAAEl9vAAPAAAAAQAAABQAAAAUAAAAFAAAAAEAAAAAAAAAZAAAAGQAAAAAAAAAZAAAAGQAAAAVAAAAYAAAAAAAAAAAAAAADwAAACADAAAAAAAAAAAAAAEAAACgMgAAVgcAAKr4//8BAAAAf39/AAEAAABkAAAAAAAAABQAAABAHwAAAAAAACYAAAAAAAAAwOD//wAAAAAmAAAAZAAAABYAAABMAAAAAAAAAAAAAAAEAAAAAAAAAAEAAADu7OEKAAAAACgAAAAoAAAAZAAAAGQAAAAAAAAAzMzMAAAAAABQAAAAUAAAAGQAAABkAAAAAAAAABcAAAAUAAAAAAAAAAAAAAD/fwAA/38AAAAAAAAJAAAABAAAAAMhAy0eAAAAaAAAAAAAAAAAAAAAAAAAAAAAAAAAAAAAECcAABAnAAAAAAAAAAAAAAAAAAAAAAAAAAAAAAAAAAAAAAAAAAAAABQAAAAAAAAAwMD/AAAAAABkAAAAMgAAAAAAAABkAAAAAAAAAH9/fwAKAAAAIgAAABgAAAAAAAAAAAAAAAAAAAAAAAAAAAAAAAAAAAAkAAAAJAAAAAAAAAAHAAAAAAAAAAAAAAAAAAAAAAAAAAAAAAAAAAAAf39/ACUAAABYAAAAAAAAAAAAAAAAAAAAAAAAAAAAAAAAAAAAAAAAAAAAAAAAAAAAAAAAAAAAAAA/AAAAAAAAAKCGAQAAAAAAAAAAAAAAAAAMAAAAAQAAAAAAAAAAAAAAAAAAAB8AAABUAAAAH0l9BKbC/wAAAAAAAAAAAAAAAAAAAAAAAAAAAAAAAAAAAAAAAAAAAEl9vAB/f38A7uzhA8zMzADAwP8Af39/AAAAAAAAAAAAAAAAAAAAAAAAAAAAIQAAABgAAAAUAAAAVSgAAPQVAABOKgAA1BcAABAAAAAmAAAACAAAAP//////////"/>
+              </a:ext>
+            </a:extLst>
+          </p:cNvSpPr>
+          <p:nvPr/>
+        </p:nvSpPr>
+        <p:spPr>
+          <a:xfrm>
+            <a:off x="6556375" y="3568700"/>
+            <a:ext cx="320675" cy="304800"/>
+          </a:xfrm>
+          <a:prstGeom prst="ellipse">
+            <a:avLst/>
+          </a:prstGeom>
+          <a:solidFill>
+            <a:schemeClr val="tx2"/>
+          </a:solidFill>
+          <a:ln>
+            <a:noFill/>
+          </a:ln>
+          <a:effectLst/>
+        </p:spPr>
+        <p:txBody>
+          <a:bodyPr vert="horz" wrap="square" lIns="91440" tIns="45720" rIns="91440" bIns="45720" numCol="1" spcCol="215900" anchor="ctr"/>
+          <a:lstStyle/>
+          <a:p>
+            <a:pPr algn="ctr">
+              <a:defRPr lang="fr-fr" cap="none">
+                <a:solidFill>
+                  <a:srgbClr val="FFFFFF"/>
+                </a:solidFill>
+              </a:defRPr>
+            </a:pPr>
+          </a:p>
+        </p:txBody>
+      </p:sp>
+      <p:sp>
+        <p:nvSpPr>
+          <p:cNvPr id="7" name="Ellipse 6"/>
+          <p:cNvSpPr>
+            <a:extLst>
+              <a:ext uri="smNativeData">
+                <pr:smNativeData xmlns:pr="smNativeData" xmlns="smNativeData" val="SMDATA_15_iunWYhMAAAAlAAAAZgAAAA0AAAAAkAAAAEgAAACQAAAASAAAAAAAAAABAAAAAAAAAAEAAABQAAAAAAAAAAAA8D8AAAAAAADwPwAAAAAAAOA/AAAAAAAA4D8AAAAAAADgPwAAAAAAAOA/AAAAAAAA4D8AAAAAAADgPwAAAAAAAOA/AAAAAAAA4D8CAAAAjAAAAAEAAAAAAAAAm7tZAKbC/wAAAAAAAAAAAAAAAAAAAAAAAAAAAAAAAAAAAAAAZAAAAAEAAABAAAAAAAAAAJz///9aAAAAAAAAAAAAAAAAAAAAAAAAAAAAAAAAAAAAAAAAAAAAAAAAAAAAAAAAAAAAAAAAAAAAAAAAAAAAAAAAAAAAAAAAAAAAAAAAAAAAFAAAADwAAAAAAAAAAAAAAEl9vAAPAAAAAQAAABQAAAAUAAAAFAAAAAEAAAAAAAAAZAAAAGQAAAAAAAAAZAAAAGQAAAAVAAAAYAAAAAAAAAAAAAAADwAAACADAAAAAAAAAAAAAAEAAACgMgAAVgcAAKr4//8BAAAAf39/AAEAAABkAAAAAAAAABQAAABAHwAAAAAAACYAAAAAAAAAwOD//wAAAAAmAAAAZAAAABYAAABMAAAAAAAAAAAAAAAEAAAAAAAAAAEAAADu7OEKAAAAACgAAAAoAAAAZAAAAGQAAAAAAAAAzMzMAAAAAABQAAAAUAAAAGQAAABkAAAAAAAAABcAAAAUAAAAAAAAAAAAAAD/fwAA/38AAAAAAAAJAAAABAAAAGJJYpweAAAAaAAAAAAAAAAAAAAAAAAAAAAAAAAAAAAAECcAABAnAAAAAAAAAAAAAAAAAAAAAAAAAAAAAAAAAAAAAAAAAAAAABQAAAAAAAAAwMD/AAAAAABkAAAAMgAAAAAAAABkAAAAAAAAAH9/fwAKAAAAIgAAABgAAAAAAAAAAAAAAAAAAAAAAAAAAAAAAAAAAAAkAAAAJAAAAAAAAAAHAAAAAAAAAAAAAAAAAAAAAAAAAAAAAAAAAAAAf39/ACUAAABYAAAAAAAAAAAAAAAAAAAAAAAAAAAAAAAAAAAAAAAAAAAAAAAAAAAAAAAAAAAAAAA/AAAAAAAAAKCGAQAAAAAAAAAAAAAAAAAMAAAAAQAAAAAAAAAAAAAAAAAAAB8AAABUAAAAm7tZAKbC/wAAAAAAAAAAAAAAAAAAAAAAAAAAAAAAAAAAAAAAAAAAAEl9vAB/f38A7uzhA8zMzADAwP8Af39/AAAAAAAAAAAAAAAAAAAAAAAAAAAAIQAAABgAAAAUAAAAbi0AAPQVAABnLwAA1BcAABAAAAAmAAAACAAAAP//////////"/>
+              </a:ext>
+            </a:extLst>
+          </p:cNvSpPr>
+          <p:nvPr/>
+        </p:nvSpPr>
+        <p:spPr>
+          <a:xfrm>
+            <a:off x="7385050" y="3568700"/>
+            <a:ext cx="320675" cy="304800"/>
+          </a:xfrm>
+          <a:prstGeom prst="ellipse">
+            <a:avLst/>
+          </a:prstGeom>
+          <a:solidFill>
+            <a:srgbClr val="9BBB59"/>
+          </a:solidFill>
+          <a:ln>
+            <a:noFill/>
+          </a:ln>
+          <a:effectLst/>
+        </p:spPr>
+        <p:txBody>
+          <a:bodyPr vert="horz" wrap="square" lIns="91440" tIns="45720" rIns="91440" bIns="45720" numCol="1" spcCol="215900" anchor="ctr"/>
+          <a:lstStyle/>
+          <a:p>
+            <a:pPr algn="ctr">
+              <a:defRPr lang="fr-fr" cap="none">
+                <a:solidFill>
+                  <a:srgbClr val="FFFFFF"/>
+                </a:solidFill>
+              </a:defRPr>
+            </a:pPr>
+          </a:p>
+        </p:txBody>
+      </p:sp>
+    </p:spTree>
+  </p:cSld>
+  <p:clrMapOvr>
+    <a:masterClrMapping/>
+  </p:clrMapOvr>
+  <p:timing>
+    <p:tnLst>
+      <p:par>
+        <p:cTn id="1" dur="indefinite" restart="never" nodeType="tmRoot"/>
+      </p:par>
+    </p:tnLst>
+  </p:timing>
+</p:sld>
+</file>
+
+<file path=ppt/slides/slide40.xml><?xml version="1.0" encoding="utf-8"?>
+<p:sld xmlns:p="http://schemas.openxmlformats.org/presentationml/2006/main" xmlns:mc="http://schemas.openxmlformats.org/markup-compatibility/2006" xmlns:p14="http://schemas.microsoft.com/office/powerpoint/2010/main" xmlns:p15="http://schemas.microsoft.com/office/powerpoint/2012/main" xmlns:r="http://schemas.openxmlformats.org/officeDocument/2006/relationships" xmlns:a="http://schemas.openxmlformats.org/drawingml/2006/main" mc:Ignorable="p14" show="0">
+  <p:cSld>
+    <p:spTree>
+      <p:nvGrpSpPr>
+        <p:cNvPr id="1" name=""/>
+        <p:cNvGrpSpPr/>
+        <p:nvPr/>
+      </p:nvGrpSpPr>
+      <p:grpSpPr>
+        <a:xfrm>
+          <a:off x="0" y="0"/>
+          <a:ext cx="0" cy="0"/>
+          <a:chOff x="0" y="0"/>
+          <a:chExt cx="0" cy="0"/>
+        </a:xfrm>
+      </p:grpSpPr>
+      <p:sp>
+        <p:nvSpPr>
+          <p:cNvPr id="2" name="Titre 1"/>
+          <p:cNvSpPr>
+            <a:spLocks noGrp="1" noChangeArrowheads="1"/>
+            <a:extLst>
+              <a:ext uri="smNativeData">
+                <pr:smNativeData xmlns:pr="smNativeData" xmlns="smNativeData" val="SMDATA_15_iunWYhMAAAAlAAAAZAAAAA0AAAAAkAAAAEgAAACQAAAASAAAAAAAAAABAAAAAAAAAAEAAABQAAAAAAAAAAAA4D8AAAAAAADgPwAAAAAAAOA/AAAAAAAA4D8AAAAAAADgPwAAAAAAAOA/AAAAAAAA4D8AAAAAAADgPwAAAAAAAOA/AAAAAAAA4D8CAAAAjAAAAAAAAAAAAAAAT4G9DP///wgAAAAAAAAAAAAAAAAAAAAAAAAAAAAAAAAAAAAAZAAAAAEAAABAAAAAAAAAAAAAAAAAAAAAAAAAAAAAAAAAAAAAAAAAAAAAAAAAAAAAAAAAAAAAAAAAAAAAAAAAAAAAAAAAAAAAAAAAAAAAAAAAAAAAAAAAAAAAAAAAAAAAFAAAADwAAAAAAAAAAAAAAAAAAAkUAAAAAQAAABQAAAAUAAAAFAAAAAEAAAAAAAAAZAAAAGQAAAAAAAAAZAAAAGQAAAAVAAAAYAAAAAAAAAAAAAAADwAAACADAAAAAAAAAAAAAAEAAACgMgAAVgcAAKr4//8BAAAAf39/AAEAAABkAAAAAAAAABQAAABAHwAAAAAAACYAAAAAAAAAwOD//wAAAAAmAAAAZAAAABYAAABMAAAAAAAAAAAAAAAEAAAAAAAAAAEAAADu7OEKAAAAACgAAAAoAAAAZAAAAGQAAAAAAAAAzMzMAAAAAABQAAAAUAAAAGQAAABkAAAAAAAAABcAAAAUAAAAAAAAAAAAAAD/fwAA/38AAAAAAAAJAAAABAAAAAZfBl4eAAAAaAAAAAAAAAAAAAAAAAAAAAAAAAAAAAAAECcAABAnAAAAAAAAAAAAAAAAAAAAAAAAAAAAAAAAAAAAAAAAAAAAABQAAAAAAAAAwMD/AAAAAABkAAAAMgAAAAAAAABkAAAAAAAAAH9/fwAKAAAAIgAAABgAAAAAAAAAAAAAAAAAAAAAAAAAAAAAAAAAAAAkAAAAJAAAAAAAAAAHAAAAAAAAAAAAAAAAAAAAAAAAAAAAAAAAAAAAf39/ACUAAABYAAAAAAAAAAAAAAAAAAAAAAAAAAAAAAAAAAAAAAAAAAAAAAAAAAAAAAAAAAAAAAA/AAAAAAAAAKCGAQAAAAAAAAAAAAAAAAAMAAAAAQAAAAAAAAAAAAAAAAAAAB8AAABUAAAAT4G9Bf///wEAAAAAAAAAAAAAAAAAAAAAAAAAAAAAAAAAAAAAAAAAAAAAAAJ/f38A7uzhA8zMzADAwP8Af39/AAAAAAAAAAAAAAAAAAAAAAAAAAAAIQAAABgAAAAUAAAA0AIAAAAAAABwNQAACAcAABAAAAAmAAAACAAAAAEgAAAAAAAA"/>
               </a:ext>
             </a:extLst>
           </p:cNvSpPr>
@@ -13794,7 +14287,7 @@
             <a:picLocks noChangeAspect="1"/>
             <a:extLst>
               <a:ext uri="smNativeData">
-                <pr:smNativeData xmlns:pr="smNativeData" xmlns="smNativeData" val="SMDATA_17_JtjWYhMAAAAlAAAAEQAAAC0AAAAAkAAAAEgAAACQAAAASAAAAAAAAAAAAAAAAAAAAAEAAABQAAAAAAAAAAAA4D8AAAAAAADgPwAAAAAAAOA/AAAAAAAA4D8AAAAAAADgPwAAAAAAAOA/AAAAAAAA4D8AAAAAAADgPwAAAAAAAOA/AAAAAAAA4D8CAAAAjAAAAAAAAAAAAAAAT4G9DP///wgAAAAAAAAAAAAAAAAAAAAAAAAAAAAAAAAAAAAAZAAAAAEAAABAAAAAAAAAAAAAAAAAAAAAAAAAAAAAAAAAAAAAAAAAAAAAAAAAAAAAAAAAAAAAAAAAAAAAAAAAAAAAAAAAAAAAAAAAAAAAAAAAAAAAAAAAAAAAAAAAAAAAFAAAADwAAAAAAAAAAAAAAAAAAAkUAAAAAQAAABQAAAAUAAAAFAAAAAEAAAAAAAAAZAAAAGQAAAAAAAAAZAAAAGQAAAAVAAAAYAAAAAAAAAAAAAAADwAAACADAAAAAAAAAAAAAAEAAACgMgAAVgcAAKr4//8BAAAAf39/AAEAAABkAAAAAAAAABQAAABAHwAAAAAAACYAAAAAAAAAwOD//wAAAAAmAAAAZAAAABYAAABMAAAAAAAAAAAAAAAEAAAAAAAAAAEAAADu7OEKAAAAACgAAAAoAAAAZAAAAGQAAAAAAAAAzMzMAAAAAABQAAAAUAAAAGQAAABkAAAAAAAAAAcAAAA4AAAAAAAAAAAAAAAAAAAA////AAAAAAAAAAAAAAAAAAAAAAAAAAAAAAAAAAAAAABkAAAAZAAAAAAAAAAjAAAABAAAAGQAAAAXAAAAFAAAAAAAAAAAAAAA/38AAP9/AAAAAAAACQAAAAQAAAAAAAAAHgAAAGgAAAAAAAAAAAAAAAAAAAAAAAAAAAAAABAnAAAQJwAAAAAAAAAAAAAAAAAAAAAAAAAAAAAAAAAAAAAAAAAAAAAUAAAAAAAAAMDA/wAAAAAAZAAAADIAAAAAAAAAZAAAAAAAAAB/f38ACgAAACIAAAAYAAAAAAAAAAAAAAAAAAAAAAAAAAAAAAAAAAAAJAAAACQAAAAAAAAABwAAAAAAAAAAAAAAAAAAAAAAAAAAAAAAAAAAAH9/fwAlAAAAWAAAAAAAAAAAAAAAAAAAAAAAAAAAAAAAAAAAAAAAAAAAAAAAAAAAAAAAAAAAAAAAPwAAAAAAAACghgEAAAAAAAAAAAAAAAAADAAAAAEAAAAAAAAAAAAAAAAAAAAfAAAAVAAAAE+BvQX///8BAAAAAAAAAAAAAAAAAAAAAAAAAAAAAAAAAAAAAAAAAAAAAAACf39/AO7s4QPMzMwAwMD/AH9/fwAAAAAAAAAAAAAAAAD///8AAAAAACEAAAAYAAAAFAAAAAAAAAAbCAAAUhkAAHgZAAAQAAAAJgAAAAgAAAD//////////w=="/>
+                <pr:smNativeData xmlns:pr="smNativeData" xmlns="smNativeData" val="SMDATA_17_iunWYhMAAAAlAAAAEQAAAC0AAAAAkAAAAEgAAACQAAAASAAAAAAAAAAAAAAAAAAAAAEAAABQAAAAAAAAAAAA4D8AAAAAAADgPwAAAAAAAOA/AAAAAAAA4D8AAAAAAADgPwAAAAAAAOA/AAAAAAAA4D8AAAAAAADgPwAAAAAAAOA/AAAAAAAA4D8CAAAAjAAAAAAAAAAAAAAAT4G9DP///wgAAAAAAAAAAAAAAAAAAAAAAAAAAAAAAAAAAAAAZAAAAAEAAABAAAAAAAAAAAAAAAAAAAAAAAAAAAAAAAAAAAAAAAAAAAAAAAAAAAAAAAAAAAAAAAAAAAAAAAAAAAAAAAAAAAAAAAAAAAAAAAAAAAAAAAAAAAAAAAAAAAAAFAAAADwAAAAAAAAAAAAAAAAAAAkUAAAAAQAAABQAAAAUAAAAFAAAAAEAAAAAAAAAZAAAAGQAAAAAAAAAZAAAAGQAAAAVAAAAYAAAAAAAAAAAAAAADwAAACADAAAAAAAAAAAAAAEAAACgMgAAVgcAAKr4//8BAAAAf39/AAEAAABkAAAAAAAAABQAAABAHwAAAAAAACYAAAAAAAAAwOD//wAAAAAmAAAAZAAAABYAAABMAAAAAAAAAAAAAAAEAAAAAAAAAAEAAADu7OEKAAAAACgAAAAoAAAAZAAAAGQAAAAAAAAAzMzMAAAAAABQAAAAUAAAAGQAAABkAAAAAAAAAAcAAAA4AAAAAAAAAAAAAAAAAAAA////AAAAAAAAAAAAAAAAAAAAAAAAAAAAAAAAAAAAAABkAAAAZAAAAAAAAAAjAAAABAAAAGQAAAAXAAAAFAAAAAAAAAAAAAAA/38AAP9/AAAAAAAACQAAAAQAAAAAAAAAHgAAAGgAAAAAAAAAAAAAAAAAAAAAAAAAAAAAABAnAAAQJwAAAAAAAAAAAAAAAAAAAAAAAAAAAAAAAAAAAAAAAAAAAAAUAAAAAAAAAMDA/wAAAAAAZAAAADIAAAAAAAAAZAAAAAAAAAB/f38ACgAAACIAAAAYAAAAAAAAAAAAAAAAAAAAAAAAAAAAAAAAAAAAJAAAACQAAAAAAAAABwAAAAAAAAAAAAAAAAAAAAAAAAAAAAAAAAAAAH9/fwAlAAAAWAAAAAAAAAAAAAAAAAAAAAAAAAAAAAAAAAAAAAAAAAAAAAAAAAAAAAAAAAAAAAAAPwAAAAAAAACghgEAAAAAAAAAAAAAAAAADAAAAAEAAAAAAAAAAAAAAAAAAAAfAAAAVAAAAE+BvQX///8BAAAAAAAAAAAAAAAAAAAAAAAAAAAAAAAAAAAAAAAAAAAAAAACf39/AO7s4QPMzMwAwMD/AH9/fwAAAAAAAAAAAAAAAAD///8AAAAAACEAAAAYAAAAFAAAAAAAAAAbCAAAUhkAAHgZAAAQAAAAJgAAAAgAAAD//////////w=="/>
               </a:ext>
             </a:extLst>
           </p:cNvPicPr>
@@ -13828,7 +14321,7 @@
             <a:picLocks noChangeAspect="1"/>
             <a:extLst>
               <a:ext uri="smNativeData">
-                <pr:smNativeData xmlns:pr="smNativeData" xmlns="smNativeData" val="SMDATA_17_JtjWYhMAAAAlAAAAEQAAAC0AAAAAkAAAAEgAAACQAAAASAAAAAAAAAAAAAAAAAAAAAEAAABQAAAAAAAAAAAA4D8AAAAAAADgPwAAAAAAAOA/AAAAAAAA4D8AAAAAAADgPwAAAAAAAOA/AAAAAAAA4D8AAAAAAADgPwAAAAAAAOA/AAAAAAAA4D8CAAAAjAAAAAAAAAAAAAAAT4G9DP///wgAAAAAAAAAAAAAAAAAAAAAAAAAAAAAAAAAAAAAZAAAAAEAAABAAAAAAAAAAAAAAAAAAAAAAAAAAAAAAAAAAAAAAAAAAAAAAAAAAAAAAAAAAAAAAAAAAAAAAAAAAAAAAAAAAAAAAAAAAAAAAAAAAAAAAAAAAAAAAAAAAAAAFAAAADwAAAAAAAAAAAAAAAAAAAkUAAAAAQAAABQAAAAUAAAAFAAAAAEAAAAAAAAAZAAAAGQAAAAAAAAAZAAAAGQAAAAVAAAAYAAAAAAAAAAAAAAADwAAACADAAAAAAAAAAAAAAEAAACgMgAAVgcAAKr4//8BAAAAf39/AAEAAABkAAAAAAAAABQAAABAHwAAAAAAACYAAAAAAAAAwOD//wAAAAAmAAAAZAAAABYAAABMAAAAAAAAAAAAAAAEAAAAAAAAAAEAAADu7OEKAAAAACgAAAAoAAAAZAAAAGQAAAAAAAAAzMzMAAAAAABQAAAAUAAAAGQAAABkAAAAAAAAAAcAAAA4AAAAAAAAAAAAAAAAAAAA////AAAAAAAAAAAAAAAAAAAAAAAAAAAAAAAAAAAAAABkAAAAZAAAAAAAAAAjAAAABAAAAGQAAAAXAAAAFAAAAAAAAAAAAAAA/38AAP9/AAAAAAAACQAAAAQAAABBAEoAHgAAAGgAAAAAAAAAAAAAAAAAAAAAAAAAAAAAABAnAAAQJwAAAAAAAAAAAAAAAAAAAAAAAAAAAAAAAAAAAAAAAAAAAAAUAAAAAAAAAMDA/wAAAAAAZAAAADIAAAAAAAAAZAAAAAAAAAB/f38ACgAAACIAAAAYAAAAAAAAAAAAAAAAAAAAAAAAAAAAAAAAAAAAJAAAACQAAAAAAAAABwAAAAAAAAAAAAAAAAAAAAAAAAAAAAAAAAAAAH9/fwAlAAAAWAAAAAAAAAAAAAAAAAAAAAAAAAAAAAAAAAAAAAAAAAAAAAAAAAAAAAAAAAAAAAAAPwAAAAAAAACghgEAAAAAAAAAAAAAAAAADAAAAAEAAAAAAAAAAAAAAAAAAAAfAAAAVAAAAE+BvQX///8BAAAAAAAAAAAAAAAAAAAAAAAAAAAAAAAAAAAAAAAAAAAAAAACf39/AO7s4QPMzMwAwMD/AH9/fwAAAAAAAAAAAAAAAAD///8AAAAAACEAAAAYAAAAFAAAAP7///94GQAAUhkAADAqAAAQAAAAJgAAAAgAAAD//////////w=="/>
+                <pr:smNativeData xmlns:pr="smNativeData" xmlns="smNativeData" val="SMDATA_17_iunWYhMAAAAlAAAAEQAAAC0AAAAAkAAAAEgAAACQAAAASAAAAAAAAAAAAAAAAAAAAAEAAABQAAAAAAAAAAAA4D8AAAAAAADgPwAAAAAAAOA/AAAAAAAA4D8AAAAAAADgPwAAAAAAAOA/AAAAAAAA4D8AAAAAAADgPwAAAAAAAOA/AAAAAAAA4D8CAAAAjAAAAAAAAAAAAAAAT4G9DP///wgAAAAAAAAAAAAAAAAAAAAAAAAAAAAAAAAAAAAAZAAAAAEAAABAAAAAAAAAAAAAAAAAAAAAAAAAAAAAAAAAAAAAAAAAAAAAAAAAAAAAAAAAAAAAAAAAAAAAAAAAAAAAAAAAAAAAAAAAAAAAAAAAAAAAAAAAAAAAAAAAAAAAFAAAADwAAAAAAAAAAAAAAAAAAAkUAAAAAQAAABQAAAAUAAAAFAAAAAEAAAAAAAAAZAAAAGQAAAAAAAAAZAAAAGQAAAAVAAAAYAAAAAAAAAAAAAAADwAAACADAAAAAAAAAAAAAAEAAACgMgAAVgcAAKr4//8BAAAAf39/AAEAAABkAAAAAAAAABQAAABAHwAAAAAAACYAAAAAAAAAwOD//wAAAAAmAAAAZAAAABYAAABMAAAAAAAAAAAAAAAEAAAAAAAAAAEAAADu7OEKAAAAACgAAAAoAAAAZAAAAGQAAAAAAAAAzMzMAAAAAABQAAAAUAAAAGQAAABkAAAAAAAAAAcAAAA4AAAAAAAAAAAAAAAAAAAA////AAAAAAAAAAAAAAAAAAAAAAAAAAAAAAAAAAAAAABkAAAAZAAAAAAAAAAjAAAABAAAAGQAAAAXAAAAFAAAAAAAAAAAAAAA/38AAP9/AAAAAAAACQAAAAQAAABBAEoAHgAAAGgAAAAAAAAAAAAAAAAAAAAAAAAAAAAAABAnAAAQJwAAAAAAAAAAAAAAAAAAAAAAAAAAAAAAAAAAAAAAAAAAAAAUAAAAAAAAAMDA/wAAAAAAZAAAADIAAAAAAAAAZAAAAAAAAAB/f38ACgAAACIAAAAYAAAAAAAAAAAAAAAAAAAAAAAAAAAAAAAAAAAAJAAAACQAAAAAAAAABwAAAAAAAAAAAAAAAAAAAAAAAAAAAAAAAAAAAH9/fwAlAAAAWAAAAAAAAAAAAAAAAAAAAAAAAAAAAAAAAAAAAAAAAAAAAAAAAAAAAAAAAAAAAAAAPwAAAAAAAACghgEAAAAAAAAAAAAAAAAADAAAAAEAAAAAAAAAAAAAAAAAAAAfAAAAVAAAAE+BvQX///8BAAAAAAAAAAAAAAAAAAAAAAAAAAAAAAAAAAAAAAAAAAAAAAACf39/AO7s4QPMzMwAwMD/AH9/fwAAAAAAAAAAAAAAAAD///8AAAAAACEAAAAYAAAAFAAAAP7///94GQAAUhkAADAqAAAQAAAAJgAAAAgAAAD//////////w=="/>
               </a:ext>
             </a:extLst>
           </p:cNvPicPr>
@@ -13862,7 +14355,7 @@
             <a:picLocks noChangeAspect="1"/>
             <a:extLst>
               <a:ext uri="smNativeData">
-                <pr:smNativeData xmlns:pr="smNativeData" xmlns="smNativeData" val="SMDATA_17_JtjWYhMAAAAlAAAAEQAAAC0AAAAAkAAAAEgAAACQAAAASAAAAAAAAAAAAAAAAAAAAAEAAABQAAAAAAAAAAAA4D8AAAAAAADgPwAAAAAAAOA/AAAAAAAA4D8AAAAAAADgPwAAAAAAAOA/AAAAAAAA4D8AAAAAAADgPwAAAAAAAOA/AAAAAAAA4D8CAAAAjAAAAAAAAAAAAAAAT4G9DP///wgAAAAAAAAAAAAAAAAAAAAAAAAAAAAAAAAAAAAAZAAAAAEAAABAAAAAAAAAAAAAAAAAAAAAAAAAAAAAAAAAAAAAAAAAAAAAAAAAAAAAAAAAAAAAAAAAAAAAAAAAAAAAAAAAAAAAAAAAAAAAAAAAAAAAAAAAAAAAAAAAAAAAFAAAADwAAAAAAAAAAAAAAAAAAAkUAAAAAQAAABQAAAAUAAAAFAAAAAEAAAAAAAAAZAAAAGQAAAAAAAAAZAAAAGQAAAAVAAAAYAAAAAAAAAAAAAAADwAAACADAAAAAAAAAAAAAAEAAACgMgAAVgcAAKr4//8BAAAAf39/AAEAAABkAAAAAAAAABQAAABAHwAAAAAAACYAAAAAAAAAwOD//wAAAAAmAAAAZAAAABYAAABMAAAAAAAAAAAAAAAEAAAAAAAAAAEAAADu7OEKAAAAACgAAAAoAAAAZAAAAGQAAAAAAAAAzMzMAAAAAABQAAAAUAAAAGQAAABkAAAAAAAAAAcAAAA4AAAAAAAAAAAAAAAAAAAA////AAAAAAAAAAAAAAAAAAAAAAAAAAAAAAAAAAAAAABkAAAAZAAAAAAAAAAjAAAABAAAAGQAAAAXAAAAFAAAAAAAAAAAAAAA/38AAP9/AAAAAAAACQAAAAQAAAAAAAAAHgAAAGgAAAAAAAAAAAAAAAAAAAAAAAAAAAAAABAnAAAQJwAAAAAAAAAAAAAAAAAAAAAAAAAAAAAAAAAAAAAAAAAAAAAUAAAAAAAAAMDA/wAAAAAAZAAAADIAAAAAAAAAZAAAAAAAAAB/f38ACgAAACIAAAAYAAAAAAAAAAAAAAAAAAAAAAAAAAAAAAAAAAAAJAAAACQAAAAAAAAABwAAAAAAAAAAAAAAAAAAAAAAAAAAAAAAAAAAAH9/fwAlAAAAWAAAAAAAAAAAAAAAAAAAAAAAAAAAAAAAAAAAAAAAAAAAAAAAAAAAAAAAAAAAAAAAPwAAAAAAAACghgEAAAAAAAAAAAAAAAAADAAAAAEAAAAAAAAAAAAAAAAAAAAfAAAAVAAAAE+BvQX///8BAAAAAAAAAAAAAAAAAAAAAAAAAAAAAAAAAAAAAAAAAAAAAAACf39/AO7s4QPMzMwAwMD/AH9/fwAAAAAAAAAAAAAAAAD///8AAAAAACEAAAAYAAAAFAAAAMAZAABIDQAAGDgAALAiAAAQAAAAJgAAAAgAAAD//////////w=="/>
+                <pr:smNativeData xmlns:pr="smNativeData" xmlns="smNativeData" val="SMDATA_17_iunWYhMAAAAlAAAAEQAAAC0AAAAAkAAAAEgAAACQAAAASAAAAAAAAAAAAAAAAAAAAAEAAABQAAAAAAAAAAAA4D8AAAAAAADgPwAAAAAAAOA/AAAAAAAA4D8AAAAAAADgPwAAAAAAAOA/AAAAAAAA4D8AAAAAAADgPwAAAAAAAOA/AAAAAAAA4D8CAAAAjAAAAAAAAAAAAAAAT4G9DP///wgAAAAAAAAAAAAAAAAAAAAAAAAAAAAAAAAAAAAAZAAAAAEAAABAAAAAAAAAAAAAAAAAAAAAAAAAAAAAAAAAAAAAAAAAAAAAAAAAAAAAAAAAAAAAAAAAAAAAAAAAAAAAAAAAAAAAAAAAAAAAAAAAAAAAAAAAAAAAAAAAAAAAFAAAADwAAAAAAAAAAAAAAAAAAAkUAAAAAQAAABQAAAAUAAAAFAAAAAEAAAAAAAAAZAAAAGQAAAAAAAAAZAAAAGQAAAAVAAAAYAAAAAAAAAAAAAAADwAAACADAAAAAAAAAAAAAAEAAACgMgAAVgcAAKr4//8BAAAAf39/AAEAAABkAAAAAAAAABQAAABAHwAAAAAAACYAAAAAAAAAwOD//wAAAAAmAAAAZAAAABYAAABMAAAAAAAAAAAAAAAEAAAAAAAAAAEAAADu7OEKAAAAACgAAAAoAAAAZAAAAGQAAAAAAAAAzMzMAAAAAABQAAAAUAAAAGQAAABkAAAAAAAAAAcAAAA4AAAAAAAAAAAAAAAAAAAA////AAAAAAAAAAAAAAAAAAAAAAAAAAAAAAAAAAAAAABkAAAAZAAAAAAAAAAjAAAABAAAAGQAAAAXAAAAFAAAAAAAAAAAAAAA/38AAP9/AAAAAAAACQAAAAQAAAAAAAAAHgAAAGgAAAAAAAAAAAAAAAAAAAAAAAAAAAAAABAnAAAQJwAAAAAAAAAAAAAAAAAAAAAAAAAAAAAAAAAAAAAAAAAAAAAUAAAAAAAAAMDA/wAAAAAAZAAAADIAAAAAAAAAZAAAAAAAAAB/f38ACgAAACIAAAAYAAAAAAAAAAAAAAAAAAAAAAAAAAAAAAAAAAAAJAAAACQAAAAAAAAABwAAAAAAAAAAAAAAAAAAAAAAAAAAAAAAAAAAAH9/fwAlAAAAWAAAAAAAAAAAAAAAAAAAAAAAAAAAAAAAAAAAAAAAAAAAAAAAAAAAAAAAAAAAAAAAPwAAAAAAAACghgEAAAAAAAAAAAAAAAAADAAAAAEAAAAAAAAAAAAAAAAAAAAfAAAAVAAAAE+BvQX///8BAAAAAAAAAAAAAAAAAAAAAAAAAAAAAAAAAAAAAAAAAAAAAAACf39/AO7s4QPMzMwAwMD/AH9/fwAAAAAAAAAAAAAAAAD///8AAAAAACEAAAAYAAAAFAAAAMAZAABIDQAAGDgAALAiAAAQAAAAJgAAAAgAAAD//////////w=="/>
               </a:ext>
             </a:extLst>
           </p:cNvPicPr>
@@ -13904,529 +14397,6 @@
 </p:sld>
 </file>
 
-<file path=ppt/slides/slide4.xml><?xml version="1.0" encoding="utf-8"?>
-<p:sld xmlns:p="http://schemas.openxmlformats.org/presentationml/2006/main" xmlns:mc="http://schemas.openxmlformats.org/markup-compatibility/2006" xmlns:p14="http://schemas.microsoft.com/office/powerpoint/2010/main" xmlns:p15="http://schemas.microsoft.com/office/powerpoint/2012/main" xmlns:r="http://schemas.openxmlformats.org/officeDocument/2006/relationships" xmlns:a="http://schemas.openxmlformats.org/drawingml/2006/main" mc:Ignorable="p14">
-  <p:cSld>
-    <p:spTree>
-      <p:nvGrpSpPr>
-        <p:cNvPr id="1" name=""/>
-        <p:cNvGrpSpPr/>
-        <p:nvPr/>
-      </p:nvGrpSpPr>
-      <p:grpSpPr>
-        <a:xfrm>
-          <a:off x="0" y="0"/>
-          <a:ext cx="0" cy="0"/>
-          <a:chOff x="0" y="0"/>
-          <a:chExt cx="0" cy="0"/>
-        </a:xfrm>
-      </p:grpSpPr>
-      <p:pic>
-        <p:nvPicPr>
-          <p:cNvPr id="2" name="Image 3"/>
-          <p:cNvPicPr>
-            <a:picLocks noChangeAspect="1"/>
-            <a:extLst>
-              <a:ext uri="smNativeData">
-                <pr:smNativeData xmlns:pr="smNativeData" xmlns="smNativeData" val="SMDATA_17_JtjWYhMAAAAlAAAAEQAAAC0AAAAAkAAAAEgAAACQAAAASAAAAAAAAAAAAAAAAAAAAAEAAABQAAAAAAAAAAAA4D8AAAAAAADgPwAAAAAAAOA/AAAAAAAA4D8AAAAAAADgPwAAAAAAAOA/AAAAAAAA4D8AAAAAAADgPwAAAAAAAOA/AAAAAAAA4D8CAAAAjAAAAAAAAAAAAAAAT4G9DP///wgAAAAAAAAAAAAAAAAAAAAAAAAAAAAAAAAAAAAAZAAAAAEAAABAAAAAAAAAAAAAAAAAAAAAAAAAAAAAAAAAAAAAAAAAAAAAAAAAAAAAAAAAAAAAAAAAAAAAAAAAAAAAAAAAAAAAAAAAAAAAAAAAAAAAAAAAAAAAAAAAAAAAFAAAADwAAAAAAAAAAAAAAAAAAAkUAAAAAQAAABQAAAAUAAAAFAAAAAEAAAAAAAAAZAAAAGQAAAAAAAAAZAAAAGQAAAAVAAAAYAAAAAAAAAAAAAAADwAAACADAAAAAAAAAAAAAAEAAACgMgAAVgcAAKr4//8BAAAAf39/AAEAAABkAAAAAAAAABQAAABAHwAAAAAAACYAAAAAAAAAwOD//wAAAAAmAAAAZAAAABYAAABMAAAAAAAAAAAAAAAEAAAAAAAAAAEAAADu7OEKAAAAACgAAAAoAAAAZAAAAGQAAAAAAAAAzMzMAAAAAABQAAAAUAAAAGQAAABkAAAAAAAAAAcAAAA4AAAAAAAAAAAAAAAAAAAA////AAAAAAAAAAAAAAAAAAAAAAAAAAAAAAAAAAAAAABkAAAAZAAAAAAAAAAjAAAABAAAAGQAAAAXAAAAFAAAAAAAAAAAAAAA/38AAP9/AAAAAAAACQAAAAQAAAAAAAAAHgAAAGgAAAAAAAAAAAAAAAAAAAAAAAAAAAAAABAnAAAQJwAAAAAAAAAAAAAAAAAAAAAAAAAAAAAAAAAAAAAAAAAAAAAUAAAAAAAAAMDA/wAAAAAAZAAAADIAAAAAAAAAZAAAAAAAAAB/f38ACgAAACIAAAAYAAAAAAAAAAAAAAAAAAAAAAAAAAAAAAAAAAAAJAAAACQAAAAAAAAABwAAAAAAAAAAAAAAAAAAAAAAAAAAAAAAAAAAAH9/fwAlAAAAWAAAAAAAAAAAAAAAAAAAAAAAAAAAAAAAAAAAAAAAAAAAAAAAAAAAAAAAAAAAAAAAPwAAAAAAAACghgEAAAAAAAAAAAAAAAAADAAAAAEAAAAAAAAAAAAAAAAAAAAfAAAAVAAAAE+BvQX///8BAAAAAAAAAAAAAAAAAAAAAAAAAAAAAAAAAAAAAAAAAAAAAAACf39/AO7s4QPMzMwAwMD/AH9/fwAAAAAAAAAAAAAAAAD///8AAAAAACEAAAAYAAAAFAAAAAEnAADICgAAcDUAAJIYAAAQAAAAJgAAAAgAAAD//////////w=="/>
-              </a:ext>
-            </a:extLst>
-          </p:cNvPicPr>
-          <p:nvPr/>
-        </p:nvPicPr>
-        <p:blipFill>
-          <a:blip r:embed="rId2"/>
-          <a:stretch>
-            <a:fillRect/>
-          </a:stretch>
-        </p:blipFill>
-        <p:spPr>
-          <a:xfrm>
-            <a:off x="6340475" y="1752600"/>
-            <a:ext cx="2346325" cy="2241550"/>
-          </a:xfrm>
-          <a:prstGeom prst="rect">
-            <a:avLst/>
-          </a:prstGeom>
-          <a:noFill/>
-          <a:ln>
-            <a:noFill/>
-          </a:ln>
-          <a:effectLst/>
-        </p:spPr>
-      </p:pic>
-      <p:sp>
-        <p:nvSpPr>
-          <p:cNvPr id="3" name="Titre 1"/>
-          <p:cNvSpPr>
-            <a:spLocks noGrp="1" noChangeArrowheads="1"/>
-            <a:extLst>
-              <a:ext uri="smNativeData">
-                <pr:smNativeData xmlns:pr="smNativeData" xmlns="smNativeData" val="SMDATA_15_JtjWYhMAAAAlAAAAZAAAAA0AAAAAkAAAAEgAAACQAAAASAAAAAAAAAABAAAAAAAAAAEAAABQAAAAAAAAAAAA4D8AAAAAAADgPwAAAAAAAOA/AAAAAAAA4D8AAAAAAADgPwAAAAAAAOA/AAAAAAAA4D8AAAAAAADgPwAAAAAAAOA/AAAAAAAA4D8CAAAAjAAAAAAAAAAAAAAAT4G9DP///wgAAAAAAAAAAAAAAAAAAAAAAAAAAAAAAAAAAAAAZAAAAAEAAABAAAAAAAAAAAAAAAAAAAAAAAAAAAAAAAAAAAAAAAAAAAAAAAAAAAAAAAAAAAAAAAAAAAAAAAAAAAAAAAAAAAAAAAAAAAAAAAAAAAAAAAAAAAAAAAAAAAAAFAAAADwAAAAAAAAAAAAAAAAAAAkUAAAAAQAAABQAAAAUAAAAFAAAAAEAAAAAAAAAZAAAAGQAAAAAAAAAZAAAAGQAAAAVAAAAYAAAAAAAAAAAAAAADwAAACADAAAAAAAAAAAAAAEAAACgMgAAVgcAAKr4//8BAAAAf39/AAEAAABkAAAAAAAAABQAAABAHwAAAAAAACYAAAAAAAAAwOD//wAAAAAmAAAAZAAAABYAAABMAAAAAAAAAAAAAAAEAAAAAAAAAAEAAADu7OEKAAAAACgAAAAoAAAAZAAAAGQAAAAAAAAAzMzMAAAAAABQAAAAUAAAAGQAAABkAAAAAAAAABcAAAAUAAAAAAAAAAAAAAD/fwAA/38AAAAAAAAJAAAABAAAAP////8eAAAAaAAAAAAAAAAAAAAAAAAAAAAAAAAAAAAAECcAABAnAAAAAAAAAAAAAAAAAAAAAAAAAAAAAAAAAAAAAAAAAAAAABQAAAAAAAAAwMD/AAAAAABkAAAAMgAAAAAAAABkAAAAAAAAAH9/fwAKAAAAIgAAABgAAAAAAAAAAAAAAAAAAAAAAAAAAAAAAAAAAAAkAAAAJAAAAAAAAAAHAAAAAAAAAAAAAAAAAAAAAAAAAAAAAAAAAAAAf39/ACUAAABYAAAAAAAAAAAAAAAAAAAAAAAAAAAAAAAAAAAAAAAAAAAAAAAAAAAAAAAAAAAAAAA/AAAAAAAAAKCGAQAAAAAAAAAAAAAAAAAMAAAAAQAAAAAAAAAAAAAAAAAAAB8AAABUAAAAT4G9Bf///wEAAAAAAAAAAAAAAAAAAAAAAAAAAAAAAAAAAAAAAAAAAAAAAAJ/f38A7uzhA8zMzADAwP8Af39/AAAAAAAAAAAAAAAAAAAAAAAAAAAAIQAAABgAAAAUAAAA0AIAALEBAABwNQAAuQgAABAAAAAmAAAACAAAAAAAAAAAAAAA"/>
-              </a:ext>
-            </a:extLst>
-          </p:cNvSpPr>
-          <p:nvPr>
-            <p:ph type="title"/>
-          </p:nvPr>
-        </p:nvSpPr>
-        <p:spPr/>
-        <p:txBody>
-          <a:bodyPr/>
-          <a:lstStyle/>
-          <a:p>
-            <a:pPr>
-              <a:defRPr lang="fr-fr"/>
-            </a:pPr>
-            <a:r>
-              <a:t>Graphical models in RevBayes</a:t>
-            </a:r>
-          </a:p>
-        </p:txBody>
-      </p:sp>
-      <p:sp>
-        <p:nvSpPr>
-          <p:cNvPr id="4" name="Espace réservé du contenu 2"/>
-          <p:cNvSpPr>
-            <a:spLocks noGrp="1" noChangeArrowheads="1"/>
-            <a:extLst>
-              <a:ext uri="smNativeData">
-                <pr:smNativeData xmlns:pr="smNativeData" xmlns="smNativeData" val="SMDATA_15_JtjWYhMAAAAlAAAAZAAAAA0AAAAAkAAAAEgAAACQAAAASAAAAAAAAAAAAAAAAAAAAAEAAABQAAAAAAAAAAAA4D8AAAAAAADgPwAAAAAAAOA/AAAAAAAA4D8AAAAAAADgPwAAAAAAAOA/AAAAAAAA4D8AAAAAAADgPwAAAAAAAOA/AAAAAAAA4D8CAAAAjAAAAAAAAAAAAAAAT4G9DP///wgAAAAAAAAAAAAAAAAAAAAAAAAAAAAAAAAAAAAAZAAAAAEAAABAAAAAAAAAAAAAAAAAAAAAAAAAAAAAAAAAAAAAAAAAAAAAAAAAAAAAAAAAAAAAAAAAAAAAAAAAAAAAAAAAAAAAAAAAAAAAAAAAAAAAAAAAAAAAAAAAAAAAFAAAADwAAAAAAAAAAAAAAAAAAAkUAAAAAQAAABQAAAAUAAAAFAAAAAEAAAAAAAAAZAAAAGQAAAAAAAAAZAAAAGQAAAAVAAAAYAAAAAAAAAAAAAAADwAAACADAAAAAAAAAAAAAAEAAACgMgAAVgcAAKr4//8BAAAAf39/AAEAAABkAAAAAAAAABQAAABAHwAAAAAAACYAAAAAAAAAwOD//wAAAAAmAAAAZAAAABYAAABMAAAAAAAAAAAAAAAEAAAAAAAAAAEAAADu7OEKAAAAACgAAAAoAAAAZAAAAGQAAAAAAAAAzMzMAAAAAABQAAAAUAAAAGQAAABkAAAAAAAAABcAAAAUAAAAAAAAAAAAAAD/fwAA/38AAAAAAAAJAAAABAAAAEFBQUEeAAAAaAAAAAAAAAAAAAAAAAAAAAAAAAAAAAAAECcAABAnAAAAAAAAAAAAAAAAAAAAAAAAAAAAAAAAAAAAAAAAAAAAABQAAAAAAAAAwMD/AAAAAABkAAAAMgAAAAAAAABkAAAAAAAAAH9/fwAKAAAAIgAAABgAAAAAAAAAAAAAAAAAAAAAAAAAAAAAAAAAAAAkAAAAJAAAAAAAAAAHAAAAAAAAAAAAAAAAAAAAAAAAAAAAAAAAAAAAf39/ACUAAABYAAAAAAAAAAAAAAAAAAAAAAAAAAAAAAAAAAAAAAAAAAAAAAAAAAAAAAAAAAAAAAA/AAAAAAAAAKCGAQAAAAAAAAAAAAAAAAAMAAAAAQAAAAAAAAAAAAAAAAAAAB8AAABUAAAAT4G9Bf///wEAAAAAAAAAAAAAAAAAAAAAAAAAAAAAAAAAAAAAAAAAAAAAAAJ/f38A7uzhA8zMzADAwP8Af39/AAAAAAAAAAAAAAAAAAAAAAAAAAAAIQAAABgAAAAUAAAA0AIAANgJAAAwKgAAyCgAABAAAAAmAAAACAAAAAEAAAAAAAAA"/>
-              </a:ext>
-            </a:extLst>
-          </p:cNvSpPr>
-          <p:nvPr>
-            <p:ph type="body" idx="1"/>
-          </p:nvPr>
-        </p:nvSpPr>
-        <p:spPr>
-          <a:xfrm>
-            <a:off x="457200" y="1600200"/>
-            <a:ext cx="6400800" cy="5029200"/>
-          </a:xfrm>
-        </p:spPr>
-        <p:txBody>
-          <a:bodyPr/>
-          <a:lstStyle/>
-          <a:p>
-            <a:pPr>
-              <a:defRPr lang="fr-fr"/>
-            </a:pPr>
-            <a:r>
-              <a:t>Graphical models provide a simple way to represent probabilistic models</a:t>
-            </a:r>
-          </a:p>
-          <a:p>
-            <a:pPr>
-              <a:defRPr lang="fr-fr"/>
-            </a:pPr>
-            <a:r>
-              <a:t>They are also a powerful way to identify </a:t>
-            </a:r>
-            <a:r>
-              <a:rPr lang="fr-fr" cap="none">
-                <a:solidFill>
-                  <a:schemeClr val="accent2"/>
-                </a:solidFill>
-              </a:rPr>
-              <a:t>conditionally </a:t>
-            </a:r>
-            <a:r>
-              <a:rPr lang="fr-fr" cap="none">
-                <a:solidFill>
-                  <a:schemeClr val="tx2"/>
-                </a:solidFill>
-              </a:rPr>
-              <a:t>independent </a:t>
-            </a:r>
-            <a:r>
-              <a:rPr lang="fr-fr" cap="none">
-                <a:solidFill>
-                  <a:schemeClr val="accent3"/>
-                </a:solidFill>
-              </a:rPr>
-              <a:t>variables</a:t>
-            </a:r>
-            <a:r>
-              <a:t>: </a:t>
-            </a:r>
-          </a:p>
-          <a:p>
-            <a:pPr lvl="1">
-              <a:defRPr lang="fr-fr"/>
-            </a:pPr>
-            <a:r>
-              <a:t>In RevBayes, objects are programmed in such a way that algorithms naturally benefit from conditional independence </a:t>
-            </a:r>
-          </a:p>
-        </p:txBody>
-      </p:sp>
-      <p:sp>
-        <p:nvSpPr>
-          <p:cNvPr id="5" name="Ellipse 4"/>
-          <p:cNvSpPr>
-            <a:extLst>
-              <a:ext uri="smNativeData">
-                <pr:smNativeData xmlns:pr="smNativeData" xmlns="smNativeData" val="SMDATA_15_JtjWYhMAAAAlAAAAZgAAAA0AAAAAkAAAAEgAAACQAAAASAAAAAAAAAABAAAAAAAAAAEAAABQAAAAAAAAAAAA8D8AAAAAAADwPwAAAAAAAOA/AAAAAAAA4D8AAAAAAADgPwAAAAAAAOA/AAAAAAAA4D8AAAAAAADgPwAAAAAAAOA/AAAAAAAA4D8CAAAAjAAAAAEAAAAAAAAAwFBNAKbC/wAAAAAAAAAAAAAAAAAAAAAAAAAAAAAAAAAAAAAAZAAAAAEAAABAAAAAAAAAAJz///9aAAAAAAAAAAAAAAAAAAAAAAAAAAAAAAAAAAAAAAAAAAAAAAAAAAAAAAAAAAAAAAAAAAAAAAAAAAAAAAAAAAAAAAAAAAAAAAAAAAAAFAAAADwAAAAAAAAAAAAAAEl9vAAPAAAAAQAAABQAAAAUAAAAFAAAAAEAAAAAAAAAZAAAAGQAAAAAAAAAZAAAAGQAAAAVAAAAYAAAAAAAAAAAAAAADwAAACADAAAAAAAAAAAAAAEAAACgMgAAVgcAAKr4//8BAAAAf39/AAEAAABkAAAAAAAAABQAAABAHwAAAAAAACYAAAAAAAAAwOD//wAAAAAmAAAAZAAAABYAAABMAAAAAAAAAAAAAAAEAAAAAAAAAAEAAADu7OEKAAAAACgAAAAoAAAAZAAAAGQAAAAAAAAAzMzMAAAAAABQAAAAUAAAAGQAAABkAAAAAAAAABcAAAAUAAAAAAAAAAAAAAD/fwAA/38AAAAAAAAJAAAABAAAAAAAAHAeAAAAaAAAAAAAAAAAAAAAAAAAAAAAAAAAAAAAECcAABAnAAAAAAAAAAAAAAAAAAAAAAAAAAAAAAAAAAAAAAAAAAAAABQAAAAAAAAAwMD/AAAAAABkAAAAMgAAAAAAAABkAAAAAAAAAH9/fwAKAAAAIgAAABgAAAAAAAAAAAAAAAAAAAAAAAAAAAAAAAAAAAAkAAAAJAAAAAAAAAAHAAAAAAAAAAAAAAAAAAAAAAAAAAAAAAAAAAAAf39/ACUAAABYAAAAAAAAAAAAAAAAAAAAAAAAAAAAAAAAAAAAAAAAAAAAAAAAAAAAAAAAAAAAAAA/AAAAAAAAAKCGAQAAAAAAAAAAAAAAAAAMAAAAAQAAAAAAAAAAAAAAAAAAAB8AAABUAAAAwFBNAKbC/wAAAAAAAAAAAAAAAAAAAAAAAAAAAAAAAAAAAAAAAAAAAEl9vAB/f38A7uzhA8zMzADAwP8Af39/AAAAAAAAAAAAAAAAAAAAAAAAAAAAIQAAABgAAAAUAAAA5CoAAOAQAADdLAAAwBIAABAAAAAmAAAACAAAAP//////////"/>
-              </a:ext>
-            </a:extLst>
-          </p:cNvSpPr>
-          <p:nvPr/>
-        </p:nvSpPr>
-        <p:spPr>
-          <a:xfrm>
-            <a:off x="6972300" y="2743200"/>
-            <a:ext cx="320675" cy="304800"/>
-          </a:xfrm>
-          <a:prstGeom prst="ellipse">
-            <a:avLst/>
-          </a:prstGeom>
-          <a:solidFill>
-            <a:srgbClr val="C0504D"/>
-          </a:solidFill>
-          <a:ln>
-            <a:noFill/>
-          </a:ln>
-          <a:effectLst/>
-        </p:spPr>
-        <p:txBody>
-          <a:bodyPr vert="horz" wrap="square" lIns="91440" tIns="45720" rIns="91440" bIns="45720" numCol="1" spcCol="215900" anchor="ctr"/>
-          <a:lstStyle/>
-          <a:p>
-            <a:pPr algn="ctr">
-              <a:defRPr lang="fr-fr" cap="none">
-                <a:solidFill>
-                  <a:srgbClr val="FFFFFF"/>
-                </a:solidFill>
-              </a:defRPr>
-            </a:pPr>
-          </a:p>
-        </p:txBody>
-      </p:sp>
-      <p:sp>
-        <p:nvSpPr>
-          <p:cNvPr id="6" name="Ellipse 5"/>
-          <p:cNvSpPr>
-            <a:extLst>
-              <a:ext uri="smNativeData">
-                <pr:smNativeData xmlns:pr="smNativeData" xmlns="smNativeData" val="SMDATA_15_JtjWYhMAAAAlAAAAZgAAAA0AAAAAkAAAAEgAAACQAAAASAAAAAAAAAABAAAAAAAAAAEAAABQAAAAAAAAAAAA8D8AAAAAAADwPwAAAAAAAOA/AAAAAAAA4D8AAAAAAADgPwAAAAAAAOA/AAAAAAAA4D8AAAAAAADgPwAAAAAAAOA/AAAAAAAA4D8CAAAAjAAAAAEAAAAAAAAAH0l9C6bC/wAAAAAAAAAAAAAAAAAAAAAAAAAAAAAAAAAAAAAAZAAAAAEAAABAAAAAAAAAAJz///9aAAAAAAAAAAAAAAAAAAAAAAAAAAAAAAAAAAAAAAAAAAAAAAAAAAAAAAAAAAAAAAAAAAAAAAAAAAAAAAAAAAAAAAAAAAAAAAAAAAAAFAAAADwAAAAAAAAAAAAAAEl9vAAPAAAAAQAAABQAAAAUAAAAFAAAAAEAAAAAAAAAZAAAAGQAAAAAAAAAZAAAAGQAAAAVAAAAYAAAAAAAAAAAAAAADwAAACADAAAAAAAAAAAAAAEAAACgMgAAVgcAAKr4//8BAAAAf39/AAEAAABkAAAAAAAAABQAAABAHwAAAAAAACYAAAAAAAAAwOD//wAAAAAmAAAAZAAAABYAAABMAAAAAAAAAAAAAAAEAAAAAAAAAAEAAADu7OEKAAAAACgAAAAoAAAAZAAAAGQAAAAAAAAAzMzMAAAAAABQAAAAUAAAAGQAAABkAAAAAAAAABcAAAAUAAAAAAAAAAAAAAD/fwAA/38AAAAAAAAJAAAABAAAAAMhAy0eAAAAaAAAAAAAAAAAAAAAAAAAAAAAAAAAAAAAECcAABAnAAAAAAAAAAAAAAAAAAAAAAAAAAAAAAAAAAAAAAAAAAAAABQAAAAAAAAAwMD/AAAAAABkAAAAMgAAAAAAAABkAAAAAAAAAH9/fwAKAAAAIgAAABgAAAAAAAAAAAAAAAAAAAAAAAAAAAAAAAAAAAAkAAAAJAAAAAAAAAAHAAAAAAAAAAAAAAAAAAAAAAAAAAAAAAAAAAAAf39/ACUAAABYAAAAAAAAAAAAAAAAAAAAAAAAAAAAAAAAAAAAAAAAAAAAAAAAAAAAAAAAAAAAAAA/AAAAAAAAAKCGAQAAAAAAAAAAAAAAAAAMAAAAAQAAAAAAAAAAAAAAAAAAAB8AAABUAAAAH0l9BKbC/wAAAAAAAAAAAAAAAAAAAAAAAAAAAAAAAAAAAAAAAAAAAEl9vAB/f38A7uzhA8zMzADAwP8Af39/AAAAAAAAAAAAAAAAAAAAAAAAAAAAIQAAABgAAAAUAAAAVSgAAPQVAABOKgAA1BcAABAAAAAmAAAACAAAAP//////////"/>
-              </a:ext>
-            </a:extLst>
-          </p:cNvSpPr>
-          <p:nvPr/>
-        </p:nvSpPr>
-        <p:spPr>
-          <a:xfrm>
-            <a:off x="6556375" y="3568700"/>
-            <a:ext cx="320675" cy="304800"/>
-          </a:xfrm>
-          <a:prstGeom prst="ellipse">
-            <a:avLst/>
-          </a:prstGeom>
-          <a:solidFill>
-            <a:schemeClr val="tx2"/>
-          </a:solidFill>
-          <a:ln>
-            <a:noFill/>
-          </a:ln>
-          <a:effectLst/>
-        </p:spPr>
-        <p:txBody>
-          <a:bodyPr vert="horz" wrap="square" lIns="91440" tIns="45720" rIns="91440" bIns="45720" numCol="1" spcCol="215900" anchor="ctr"/>
-          <a:lstStyle/>
-          <a:p>
-            <a:pPr algn="ctr">
-              <a:defRPr lang="fr-fr" cap="none">
-                <a:solidFill>
-                  <a:srgbClr val="FFFFFF"/>
-                </a:solidFill>
-              </a:defRPr>
-            </a:pPr>
-          </a:p>
-        </p:txBody>
-      </p:sp>
-      <p:sp>
-        <p:nvSpPr>
-          <p:cNvPr id="7" name="Ellipse 6"/>
-          <p:cNvSpPr>
-            <a:extLst>
-              <a:ext uri="smNativeData">
-                <pr:smNativeData xmlns:pr="smNativeData" xmlns="smNativeData" val="SMDATA_15_JtjWYhMAAAAlAAAAZgAAAA0AAAAAkAAAAEgAAACQAAAASAAAAAAAAAABAAAAAAAAAAEAAABQAAAAAAAAAAAA8D8AAAAAAADwPwAAAAAAAOA/AAAAAAAA4D8AAAAAAADgPwAAAAAAAOA/AAAAAAAA4D8AAAAAAADgPwAAAAAAAOA/AAAAAAAA4D8CAAAAjAAAAAEAAAAAAAAAm7tZAKbC/wAAAAAAAAAAAAAAAAAAAAAAAAAAAAAAAAAAAAAAZAAAAAEAAABAAAAAAAAAAJz///9aAAAAAAAAAAAAAAAAAAAAAAAAAAAAAAAAAAAAAAAAAAAAAAAAAAAAAAAAAAAAAAAAAAAAAAAAAAAAAAAAAAAAAAAAAAAAAAAAAAAAFAAAADwAAAAAAAAAAAAAAEl9vAAPAAAAAQAAABQAAAAUAAAAFAAAAAEAAAAAAAAAZAAAAGQAAAAAAAAAZAAAAGQAAAAVAAAAYAAAAAAAAAAAAAAADwAAACADAAAAAAAAAAAAAAEAAACgMgAAVgcAAKr4//8BAAAAf39/AAEAAABkAAAAAAAAABQAAABAHwAAAAAAACYAAAAAAAAAwOD//wAAAAAmAAAAZAAAABYAAABMAAAAAAAAAAAAAAAEAAAAAAAAAAEAAADu7OEKAAAAACgAAAAoAAAAZAAAAGQAAAAAAAAAzMzMAAAAAABQAAAAUAAAAGQAAABkAAAAAAAAABcAAAAUAAAAAAAAAAAAAAD/fwAA/38AAAAAAAAJAAAABAAAAGJJYpweAAAAaAAAAAAAAAAAAAAAAAAAAAAAAAAAAAAAECcAABAnAAAAAAAAAAAAAAAAAAAAAAAAAAAAAAAAAAAAAAAAAAAAABQAAAAAAAAAwMD/AAAAAABkAAAAMgAAAAAAAABkAAAAAAAAAH9/fwAKAAAAIgAAABgAAAAAAAAAAAAAAAAAAAAAAAAAAAAAAAAAAAAkAAAAJAAAAAAAAAAHAAAAAAAAAAAAAAAAAAAAAAAAAAAAAAAAAAAAf39/ACUAAABYAAAAAAAAAAAAAAAAAAAAAAAAAAAAAAAAAAAAAAAAAAAAAAAAAAAAAAAAAAAAAAA/AAAAAAAAAKCGAQAAAAAAAAAAAAAAAAAMAAAAAQAAAAAAAAAAAAAAAAAAAB8AAABUAAAAm7tZAKbC/wAAAAAAAAAAAAAAAAAAAAAAAAAAAAAAAAAAAAAAAAAAAEl9vAB/f38A7uzhA8zMzADAwP8Af39/AAAAAAAAAAAAAAAAAAAAAAAAAAAAIQAAABgAAAAUAAAAbi0AAPQVAABnLwAA1BcAABAAAAAmAAAACAAAAP//////////"/>
-              </a:ext>
-            </a:extLst>
-          </p:cNvSpPr>
-          <p:nvPr/>
-        </p:nvSpPr>
-        <p:spPr>
-          <a:xfrm>
-            <a:off x="7385050" y="3568700"/>
-            <a:ext cx="320675" cy="304800"/>
-          </a:xfrm>
-          <a:prstGeom prst="ellipse">
-            <a:avLst/>
-          </a:prstGeom>
-          <a:solidFill>
-            <a:srgbClr val="9BBB59"/>
-          </a:solidFill>
-          <a:ln>
-            <a:noFill/>
-          </a:ln>
-          <a:effectLst/>
-        </p:spPr>
-        <p:txBody>
-          <a:bodyPr vert="horz" wrap="square" lIns="91440" tIns="45720" rIns="91440" bIns="45720" numCol="1" spcCol="215900" anchor="ctr"/>
-          <a:lstStyle/>
-          <a:p>
-            <a:pPr algn="ctr">
-              <a:defRPr lang="fr-fr" cap="none">
-                <a:solidFill>
-                  <a:srgbClr val="FFFFFF"/>
-                </a:solidFill>
-              </a:defRPr>
-            </a:pPr>
-          </a:p>
-        </p:txBody>
-      </p:sp>
-    </p:spTree>
-  </p:cSld>
-  <p:clrMapOvr>
-    <a:masterClrMapping/>
-  </p:clrMapOvr>
-  <p:timing>
-    <p:tnLst>
-      <p:par>
-        <p:cTn id="1" dur="indefinite" restart="never" nodeType="tmRoot"/>
-      </p:par>
-    </p:tnLst>
-  </p:timing>
-</p:sld>
-</file>
-
-<file path=ppt/slides/slide40.xml><?xml version="1.0" encoding="utf-8"?>
-<p:sld xmlns:p="http://schemas.openxmlformats.org/presentationml/2006/main" xmlns:mc="http://schemas.openxmlformats.org/markup-compatibility/2006" xmlns:p14="http://schemas.microsoft.com/office/powerpoint/2010/main" xmlns:p15="http://schemas.microsoft.com/office/powerpoint/2012/main" xmlns:r="http://schemas.openxmlformats.org/officeDocument/2006/relationships" xmlns:a="http://schemas.openxmlformats.org/drawingml/2006/main" mc:Ignorable="p14" show="0">
-  <p:cSld>
-    <p:spTree>
-      <p:nvGrpSpPr>
-        <p:cNvPr id="1" name=""/>
-        <p:cNvGrpSpPr/>
-        <p:nvPr/>
-      </p:nvGrpSpPr>
-      <p:grpSpPr>
-        <a:xfrm>
-          <a:off x="0" y="0"/>
-          <a:ext cx="0" cy="0"/>
-          <a:chOff x="0" y="0"/>
-          <a:chExt cx="0" cy="0"/>
-        </a:xfrm>
-      </p:grpSpPr>
-      <p:sp>
-        <p:nvSpPr>
-          <p:cNvPr id="2" name="Titre 1"/>
-          <p:cNvSpPr>
-            <a:spLocks noGrp="1" noChangeArrowheads="1"/>
-            <a:extLst>
-              <a:ext uri="smNativeData">
-                <pr:smNativeData xmlns:pr="smNativeData" xmlns="smNativeData" val="SMDATA_15_JtjWYhMAAAAlAAAAZAAAAA0AAAAAkAAAAEgAAACQAAAASAAAAAAAAAABAAAAAAAAAAEAAABQAAAAAAAAAAAA4D8AAAAAAADgPwAAAAAAAOA/AAAAAAAA4D8AAAAAAADgPwAAAAAAAOA/AAAAAAAA4D8AAAAAAADgPwAAAAAAAOA/AAAAAAAA4D8CAAAAjAAAAAAAAAAAAAAAT4G9DP///wgAAAAAAAAAAAAAAAAAAAAAAAAAAAAAAAAAAAAAZAAAAAEAAABAAAAAAAAAAAAAAAAAAAAAAAAAAAAAAAAAAAAAAAAAAAAAAAAAAAAAAAAAAAAAAAAAAAAAAAAAAAAAAAAAAAAAAAAAAAAAAAAAAAAAAAAAAAAAAAAAAAAAFAAAADwAAAAAAAAAAAAAAAAAAAkUAAAAAQAAABQAAAAUAAAAFAAAAAEAAAAAAAAAZAAAAGQAAAAAAAAAZAAAAGQAAAAVAAAAYAAAAAAAAAAAAAAADwAAACADAAAAAAAAAAAAAAEAAACgMgAAVgcAAKr4//8BAAAAf39/AAEAAABkAAAAAAAAABQAAABAHwAAAAAAACYAAAAAAAAAwOD//wAAAAAmAAAAZAAAABYAAABMAAAAAAAAAAAAAAAEAAAAAAAAAAEAAADu7OEKAAAAACgAAAAoAAAAZAAAAGQAAAAAAAAAzMzMAAAAAABQAAAAUAAAAGQAAABkAAAAAAAAABcAAAAUAAAAAAAAAAAAAAD/fwAA/38AAAAAAAAJAAAABAAAAAAAAAAeAAAAaAAAAAAAAAAAAAAAAAAAAAAAAAAAAAAAECcAABAnAAAAAAAAAAAAAAAAAAAAAAAAAAAAAAAAAAAAAAAAAAAAABQAAAAAAAAAwMD/AAAAAABkAAAAMgAAAAAAAABkAAAAAAAAAH9/fwAKAAAAIgAAABgAAAAAAAAAAAAAAAAAAAAAAAAAAAAAAAAAAAAkAAAAJAAAAAAAAAAHAAAAAAAAAAAAAAAAAAAAAAAAAAAAAAAAAAAAf39/ACUAAABYAAAAAAAAAAAAAAAAAAAAAAAAAAAAAAAAAAAAAAAAAAAAAAAAAAAAAAAAAAAAAAA/AAAAAAAAAKCGAQAAAAAAAAAAAAAAAAAMAAAAAQAAAAAAAAAAAAAAAAAAAB8AAABUAAAAT4G9Bf///wEAAAAAAAAAAAAAAAAAAAAAAAAAAAAAAAAAAAAAAAAAAAAAAAJ/f38A7uzhA8zMzADAwP8Af39/AAAAAAAAAAAAAAAAAAAAAAAAAAAAIQAAABgAAAAUAAAA0AIAALEBAABwNQAAuQgAABAAAAAmAAAACAAAAAAgAAAAAAAA"/>
-              </a:ext>
-            </a:extLst>
-          </p:cNvSpPr>
-          <p:nvPr>
-            <p:ph type="title"/>
-          </p:nvPr>
-        </p:nvSpPr>
-        <p:spPr/>
-        <p:txBody>
-          <a:bodyPr vert="horz" wrap="square" lIns="91440" tIns="45720" rIns="91440" bIns="45720" numCol="1" spcCol="215900" anchor="ctr">
-            <a:prstTxWarp prst="textNoShape">
-              <a:avLst/>
-            </a:prstTxWarp>
-          </a:bodyPr>
-          <a:lstStyle/>
-          <a:p>
-            <a:pPr>
-              <a:spcBef>
-                <a:spcPts val="0"/>
-              </a:spcBef>
-              <a:defRPr lang="fr-fr" sz="3960" cap="none"/>
-            </a:pPr>
-            <a:r>
-              <a:t>Combining moves and using MCMCMC</a:t>
-            </a:r>
-          </a:p>
-        </p:txBody>
-      </p:sp>
-      <p:sp>
-        <p:nvSpPr>
-          <p:cNvPr id="3" name="Espace réservé du contenu 2"/>
-          <p:cNvSpPr>
-            <a:spLocks noGrp="1" noChangeArrowheads="1"/>
-            <a:extLst>
-              <a:ext uri="smNativeData">
-                <pr:smNativeData xmlns:pr="smNativeData" xmlns="smNativeData" val="SMDATA_15_JtjWYhMAAAAlAAAAZAAAAA0AAAAAkAAAAEgAAACQAAAASAAAAAAAAAAAAAAAAAAAAAEAAABQAAAAAAAAAAAA4D8AAAAAAADgPwAAAAAAAOA/AAAAAAAA4D8AAAAAAADgPwAAAAAAAOA/AAAAAAAA4D8AAAAAAADgPwAAAAAAAOA/AAAAAAAA4D8CAAAAjAAAAAAAAAAAAAAAT4G9DP///wgAAAAAAAAAAAAAAAAAAAAAAAAAAAAAAAAAAAAAZAAAAAEAAABAAAAAAAAAAAAAAAAAAAAAAAAAAAAAAAAAAAAAAAAAAAAAAAAAAAAAAAAAAAAAAAAAAAAAAAAAAAAAAAAAAAAAAAAAAAAAAAAAAAAAAAAAAAAAAAAAAAAAFAAAADwAAAAAAAAAAAAAAAAAAAkUAAAAAQAAABQAAAAUAAAAFAAAAAEAAAAAAAAAZAAAAGQAAAAAAAAAZAAAAGQAAAAVAAAAYAAAAAAAAAAAAAAADwAAACADAAAAAAAAAAAAAAEAAACgMgAAVgcAAKr4//8BAAAAf39/AAEAAABkAAAAAAAAABQAAABAHwAAAAAAACYAAAAAAAAAwOD//wAAAAAmAAAAZAAAABYAAABMAAAAAAAAAAAAAAAEAAAAAAAAAAEAAADu7OEKAAAAACgAAAAoAAAAZAAAAGQAAAAAAAAAzMzMAAAAAABQAAAAUAAAAGQAAABkAAAAAAAAABcAAAAUAAAAAAAAAAAAAAD/fwAA/38AAAAAAAAJAAAABAAAAAAAAAAeAAAAaAAAAAAAAAAAAAAAAAAAAAAAAAAAAAAAECcAABAnAAAAAAAAAAAAAAAAAAAAAAAAAAAAAAAAAAAAAAAAAAAAABQAAAAAAAAAwMD/AAAAAABkAAAAMgAAAAAAAABkAAAAAAAAAH9/fwAKAAAAIgAAABgAAAAAAAAAAAAAAAAAAAAAAAAAAAAAAAAAAAAkAAAAJAAAAAAAAAAHAAAAAAAAAAAAAAAAAAAAAAAAAAAAAAAAAAAAf39/ACUAAABYAAAAAAAAAAAAAAAAAAAAAAAAAAAAAAAAAAAAAAAAAAAAAAAAAAAAAAAAAAAAAAA/AAAAAAAAAKCGAQAAAAAAAAAAAAAAAAAMAAAAAQAAAAAAAAAAAAAAAAAAAB8AAABUAAAAT4G9Bf///wEAAAAAAAAAAAAAAAAAAAAAAAAAAAAAAAAAAAAAAAAAAAAAAAJ/f38A7uzhA8zMzADAwP8Af39/AAAAAAAAAAAAAAAAAAAAAAAAAAAAIQAAABgAAAAUAAAA0AIAANgJAABwNQAAsCUAABAAAAAmAAAACAAAAAAgAAAAAAAA"/>
-              </a:ext>
-            </a:extLst>
-          </p:cNvSpPr>
-          <p:nvPr>
-            <p:ph type="body" idx="1"/>
-          </p:nvPr>
-        </p:nvSpPr>
-        <p:spPr/>
-        <p:txBody>
-          <a:bodyPr vert="horz" wrap="square" lIns="91440" tIns="45720" rIns="91440" bIns="45720" numCol="1" spcCol="215900" anchor="t">
-            <a:prstTxWarp prst="textNoShape">
-              <a:avLst/>
-            </a:prstTxWarp>
-          </a:bodyPr>
-          <a:lstStyle/>
-          <a:p>
-            <a:pPr>
-              <a:lnSpc>
-                <a:spcPct val="80000"/>
-              </a:lnSpc>
-              <a:spcBef>
-                <a:spcPts val="705"/>
-              </a:spcBef>
-              <a:buNone/>
-              <a:defRPr lang="fr-fr" sz="2945" cap="none"/>
-            </a:pPr>
-            <a:r>
-              <a:t>moveIndex = 0</a:t>
-            </a:r>
-          </a:p>
-          <a:p>
-            <a:pPr>
-              <a:lnSpc>
-                <a:spcPct val="80000"/>
-              </a:lnSpc>
-              <a:spcBef>
-                <a:spcPts val="705"/>
-              </a:spcBef>
-              <a:buNone/>
-              <a:defRPr lang="fr-fr" sz="2945" cap="none"/>
-            </a:pPr>
-            <a:r>
-              <a:t>moves[moveIndex++] = mvSlice(A)</a:t>
-            </a:r>
-          </a:p>
-          <a:p>
-            <a:pPr>
-              <a:lnSpc>
-                <a:spcPct val="80000"/>
-              </a:lnSpc>
-              <a:spcBef>
-                <a:spcPts val="705"/>
-              </a:spcBef>
-              <a:buNone/>
-              <a:defRPr lang="fr-fr" sz="2945" cap="none"/>
-            </a:pPr>
-            <a:r>
-              <a:t>moves[moveIndex++] = mvSlice(lalpha)</a:t>
-            </a:r>
-          </a:p>
-          <a:p>
-            <a:pPr>
-              <a:lnSpc>
-                <a:spcPct val="80000"/>
-              </a:lnSpc>
-              <a:spcBef>
-                <a:spcPts val="705"/>
-              </a:spcBef>
-              <a:buNone/>
-              <a:defRPr lang="fr-fr" sz="2945" cap="none"/>
-            </a:pPr>
-            <a:r>
-              <a:t>moves[moveIndex++] = mvSlide(A)</a:t>
-            </a:r>
-          </a:p>
-          <a:p>
-            <a:pPr>
-              <a:lnSpc>
-                <a:spcPct val="80000"/>
-              </a:lnSpc>
-              <a:spcBef>
-                <a:spcPts val="705"/>
-              </a:spcBef>
-              <a:buNone/>
-              <a:defRPr lang="fr-fr" sz="2945" cap="none"/>
-            </a:pPr>
-            <a:r>
-              <a:t>moves[moveIndex++] = mvSlide(lalpha)</a:t>
-            </a:r>
-          </a:p>
-          <a:p>
-            <a:pPr>
-              <a:lnSpc>
-                <a:spcPct val="80000"/>
-              </a:lnSpc>
-              <a:spcBef>
-                <a:spcPts val="705"/>
-              </a:spcBef>
-              <a:buNone/>
-              <a:defRPr lang="fr-fr" sz="2945" cap="none"/>
-            </a:pPr>
-            <a:r>
-              <a:t>moves[moveIndex++] = mvScale(A)</a:t>
-            </a:r>
-          </a:p>
-          <a:p>
-            <a:pPr>
-              <a:lnSpc>
-                <a:spcPct val="80000"/>
-              </a:lnSpc>
-              <a:spcBef>
-                <a:spcPts val="705"/>
-              </a:spcBef>
-              <a:buNone/>
-              <a:defRPr lang="fr-fr" sz="2945" cap="none"/>
-            </a:pPr>
-            <a:r>
-              <a:t>#...</a:t>
-            </a:r>
-          </a:p>
-          <a:p>
-            <a:pPr>
-              <a:lnSpc>
-                <a:spcPct val="80000"/>
-              </a:lnSpc>
-              <a:spcBef>
-                <a:spcPts val="705"/>
-              </a:spcBef>
-              <a:buNone/>
-              <a:defRPr lang="fr-fr" sz="2945" cap="none"/>
-            </a:pPr>
-            <a:r>
-              <a:t>mymcmc = mcmcmc(mymodel, monitors, moves, moveschedule="random", nchains=4, nruns=2)</a:t>
-            </a:r>
-          </a:p>
-          <a:p>
-            <a:pPr>
-              <a:lnSpc>
-                <a:spcPct val="80000"/>
-              </a:lnSpc>
-              <a:spcBef>
-                <a:spcPts val="705"/>
-              </a:spcBef>
-              <a:buNone/>
-              <a:defRPr lang="fr-fr" sz="2945" cap="none"/>
-            </a:pPr>
-          </a:p>
-        </p:txBody>
-      </p:sp>
-    </p:spTree>
-  </p:cSld>
-  <p:clrMapOvr>
-    <a:masterClrMapping/>
-  </p:clrMapOvr>
-  <p:timing>
-    <p:tnLst>
-      <p:par>
-        <p:cTn id="1" dur="indefinite" restart="never" nodeType="tmRoot"/>
-      </p:par>
-    </p:tnLst>
-  </p:timing>
-</p:sld>
-</file>
-
 <file path=ppt/slides/slide41.xml><?xml version="1.0" encoding="utf-8"?>
 <p:sld xmlns:p="http://schemas.openxmlformats.org/presentationml/2006/main" xmlns:mc="http://schemas.openxmlformats.org/markup-compatibility/2006" xmlns:p14="http://schemas.microsoft.com/office/powerpoint/2010/main" xmlns:p15="http://schemas.microsoft.com/office/powerpoint/2012/main" xmlns:r="http://schemas.openxmlformats.org/officeDocument/2006/relationships" xmlns:a="http://schemas.openxmlformats.org/drawingml/2006/main" mc:Ignorable="p14" show="0">
   <p:cSld>
@@ -14451,7 +14421,7 @@
             <a:spLocks noGrp="1" noChangeArrowheads="1"/>
             <a:extLst>
               <a:ext uri="smNativeData">
-                <pr:smNativeData xmlns:pr="smNativeData" xmlns="smNativeData" val="SMDATA_15_JtjWYhMAAAAlAAAAZAAAAA0AAAAAkAAAAEgAAACQAAAASAAAAAAAAAABAAAAAAAAAAEAAABQAAAAAAAAAAAA4D8AAAAAAADgPwAAAAAAAOA/AAAAAAAA4D8AAAAAAADgPwAAAAAAAOA/AAAAAAAA4D8AAAAAAADgPwAAAAAAAOA/AAAAAAAA4D8CAAAAjAAAAAAAAAAAAAAAT4G9DP///wgAAAAAAAAAAAAAAAAAAAAAAAAAAAAAAAAAAAAAZAAAAAEAAABAAAAAAAAAAAAAAAAAAAAAAAAAAAAAAAAAAAAAAAAAAAAAAAAAAAAAAAAAAAAAAAAAAAAAAAAAAAAAAAAAAAAAAAAAAAAAAAAAAAAAAAAAAAAAAAAAAAAAFAAAADwAAAAAAAAAAAAAAAAAAAkUAAAAAQAAABQAAAAUAAAAFAAAAAEAAAAAAAAAZAAAAGQAAAAAAAAAZAAAAGQAAAAVAAAAYAAAAAAAAAAAAAAADwAAACADAAAAAAAAAAAAAAEAAACgMgAAVgcAAKr4//8BAAAAf39/AAEAAABkAAAAAAAAABQAAABAHwAAAAAAACYAAAAAAAAAwOD//wAAAAAmAAAAZAAAABYAAABMAAAAAAAAAAAAAAAEAAAAAAAAAAEAAADu7OEKAAAAACgAAAAoAAAAZAAAAGQAAAAAAAAAzMzMAAAAAABQAAAAUAAAAGQAAABkAAAAAAAAABcAAAAUAAAAAAAAAAAAAAD/fwAA/38AAAAAAAAJAAAABAAAAAAAAAEeAAAAaAAAAAAAAAAAAAAAAAAAAAAAAAAAAAAAECcAABAnAAAAAAAAAAAAAAAAAAAAAAAAAAAAAAAAAAAAAAAAAAAAABQAAAAAAAAAwMD/AAAAAABkAAAAMgAAAAAAAABkAAAAAAAAAH9/fwAKAAAAIgAAABgAAAAAAAAAAAAAAAAAAAAAAAAAAAAAAAAAAAAkAAAAJAAAAAAAAAAHAAAAAAAAAAAAAAAAAAAAAAAAAAAAAAAAAAAAf39/ACUAAABYAAAAAAAAAAAAAAAAAAAAAAAAAAAAAAAAAAAAAAAAAAAAAAAAAAAAAAAAAAAAAAA/AAAAAAAAAKCGAQAAAAAAAAAAAAAAAAAMAAAAAQAAAAAAAAAAAAAAAAAAAB8AAABUAAAAT4G9Bf///wEAAAAAAAAAAAAAAAAAAAAAAAAAAAAAAAAAAAAAAAAAAAAAAAJ/f38A7uzhA8zMzADAwP8Af39/AAAAAAAAAAAAAAAAAAAAAAAAAAAAIQAAABgAAAAUAAAA0AIAAAAAAABwNQAACAcAABAAAAAmAAAACAAAAAEgAAAAAAAA"/>
+                <pr:smNativeData xmlns:pr="smNativeData" xmlns="smNativeData" val="SMDATA_15_iunWYhMAAAAlAAAAZAAAAA0AAAAAkAAAAEgAAACQAAAASAAAAAAAAAABAAAAAAAAAAEAAABQAAAAAAAAAAAA4D8AAAAAAADgPwAAAAAAAOA/AAAAAAAA4D8AAAAAAADgPwAAAAAAAOA/AAAAAAAA4D8AAAAAAADgPwAAAAAAAOA/AAAAAAAA4D8CAAAAjAAAAAAAAAAAAAAAT4G9DP///wgAAAAAAAAAAAAAAAAAAAAAAAAAAAAAAAAAAAAAZAAAAAEAAABAAAAAAAAAAAAAAAAAAAAAAAAAAAAAAAAAAAAAAAAAAAAAAAAAAAAAAAAAAAAAAAAAAAAAAAAAAAAAAAAAAAAAAAAAAAAAAAAAAAAAAAAAAAAAAAAAAAAAFAAAADwAAAAAAAAAAAAAAAAAAAkUAAAAAQAAABQAAAAUAAAAFAAAAAEAAAAAAAAAZAAAAGQAAAAAAAAAZAAAAGQAAAAVAAAAYAAAAAAAAAAAAAAADwAAACADAAAAAAAAAAAAAAEAAACgMgAAVgcAAKr4//8BAAAAf39/AAEAAABkAAAAAAAAABQAAABAHwAAAAAAACYAAAAAAAAAwOD//wAAAAAmAAAAZAAAABYAAABMAAAAAAAAAAAAAAAEAAAAAAAAAAEAAADu7OEKAAAAACgAAAAoAAAAZAAAAGQAAAAAAAAAzMzMAAAAAABQAAAAUAAAAGQAAABkAAAAAAAAABcAAAAUAAAAAAAAAAAAAAD/fwAA/38AAAAAAAAJAAAABAAAAAAAAAAeAAAAaAAAAAAAAAAAAAAAAAAAAAAAAAAAAAAAECcAABAnAAAAAAAAAAAAAAAAAAAAAAAAAAAAAAAAAAAAAAAAAAAAABQAAAAAAAAAwMD/AAAAAABkAAAAMgAAAAAAAABkAAAAAAAAAH9/fwAKAAAAIgAAABgAAAAAAAAAAAAAAAAAAAAAAAAAAAAAAAAAAAAkAAAAJAAAAAAAAAAHAAAAAAAAAAAAAAAAAAAAAAAAAAAAAAAAAAAAf39/ACUAAABYAAAAAAAAAAAAAAAAAAAAAAAAAAAAAAAAAAAAAAAAAAAAAAAAAAAAAAAAAAAAAAA/AAAAAAAAAKCGAQAAAAAAAAAAAAAAAAAMAAAAAQAAAAAAAAAAAAAAAAAAAB8AAABUAAAAT4G9Bf///wEAAAAAAAAAAAAAAAAAAAAAAAAAAAAAAAAAAAAAAAAAAAAAAAJ/f38A7uzhA8zMzADAwP8Af39/AAAAAAAAAAAAAAAAAAAAAAAAAAAAIQAAABgAAAAUAAAA0AIAALEBAABwNQAAuQgAABAAAAAmAAAACAAAAAAgAAAAAAAA"/>
               </a:ext>
             </a:extLst>
           </p:cNvSpPr>
@@ -14459,12 +14429,7 @@
             <p:ph type="title"/>
           </p:nvPr>
         </p:nvSpPr>
-        <p:spPr>
-          <a:xfrm>
-            <a:off x="457200" y="0"/>
-            <a:ext cx="8229600" cy="1143000"/>
-          </a:xfrm>
-        </p:spPr>
+        <p:spPr/>
         <p:txBody>
           <a:bodyPr vert="horz" wrap="square" lIns="91440" tIns="45720" rIns="91440" bIns="45720" numCol="1" spcCol="215900" anchor="ctr">
             <a:prstTxWarp prst="textNoShape">
@@ -14474,82 +14439,174 @@
           <a:lstStyle/>
           <a:p>
             <a:pPr>
-              <a:defRPr lang="fr-fr"/>
-            </a:pPr>
-            <a:r>
-              <a:t>Convergence plots with coda</a:t>
+              <a:spcBef>
+                <a:spcPts val="0"/>
+              </a:spcBef>
+              <a:defRPr lang="fr-fr" sz="3960" cap="none"/>
+            </a:pPr>
+            <a:r>
+              <a:t>Combining moves and using MCMCMC</a:t>
             </a:r>
           </a:p>
         </p:txBody>
       </p:sp>
-      <p:pic>
-        <p:nvPicPr>
-          <p:cNvPr id="3" name="Image 7"/>
-          <p:cNvPicPr>
-            <a:picLocks noChangeAspect="1"/>
-            <a:extLst>
-              <a:ext uri="smNativeData">
-                <pr:smNativeData xmlns:pr="smNativeData" xmlns="smNativeData" val="SMDATA_17_JtjWYhMAAAAlAAAAEQAAAC0AAAAAkAAAAEgAAACQAAAASAAAAAAAAAAAAAAAAAAAAAEAAABQAAAAAAAAAAAA4D8AAAAAAADgPwAAAAAAAOA/AAAAAAAA4D8AAAAAAADgPwAAAAAAAOA/AAAAAAAA4D8AAAAAAADgPwAAAAAAAOA/AAAAAAAA4D8CAAAAjAAAAAAAAAAAAAAAT4G9DP///wgAAAAAAAAAAAAAAAAAAAAAAAAAAAAAAAAAAAAAZAAAAAEAAABAAAAAAAAAAAAAAAAAAAAAAAAAAAAAAAAAAAAAAAAAAAAAAAAAAAAAAAAAAAAAAAAAAAAAAAAAAAAAAAAAAAAAAAAAAAAAAAAAAAAAAAAAAAAAAAAAAAAAFAAAADwAAAAAAAAAAAAAAAAAAAkUAAAAAQAAABQAAAAUAAAAFAAAAAEAAAAAAAAAZAAAAGQAAAAAAAAAZAAAAGQAAAAVAAAAYAAAAAAAAAAAAAAADwAAACADAAAAAAAAAAAAAAEAAACgMgAAVgcAAKr4//8BAAAAf39/AAEAAABkAAAAAAAAABQAAABAHwAAAAAAACYAAAAAAAAAwOD//wAAAAAmAAAAZAAAABYAAABMAAAAAAAAAAAAAAAEAAAAAAAAAAEAAADu7OEKAAAAACgAAAAoAAAAZAAAAGQAAAAAAAAAzMzMAAAAAABQAAAAUAAAAGQAAABkAAAAAAAAAAcAAAA4AAAAAAAAAAAAAAAAAAAA////AAAAAAAAAAAAAAAAAAAAAAAAAAAAAAAAAAAAAABkAAAAZAAAAAAAAAAjAAAABAAAAGQAAAAXAAAAFAAAAAAAAAAAAAAA/38AAP9/AAAAAAAACQAAAAQAAAAAAAAAHgAAAGgAAAAAAAAAAAAAAAAAAAAAAAAAAAAAABAnAAAQJwAAAAAAAAAAAAAAAAAAAAAAAAAAAAAAAAAAAAAAAAAAAAAUAAAAAAAAAMDA/wAAAAAAZAAAADIAAAAAAAAAZAAAAAAAAAB/f38ACgAAACIAAAAYAAAAAAAAAAAAAAAAAAAAAAAAAAAAAAAAAAAAJAAAACQAAAAAAAAABwAAAAAAAAAAAAAAAAAAAAAAAAAAAAAAAAAAAH9/fwAlAAAAWAAAAAAAAAAAAAAAAAAAAAAAAAAAAAAAAAAAAAAAAAAAAAAAAAAAAAAAAAAAAAAAPwAAAAAAAACghgEAAAAAAAAAAAAAAAAADAAAAAEAAAAAAAAAAAAAAAAAAAAfAAAAVAAAAE+BvQX///8BAAAAAAAAAAAAAAAAAAAAAAAAAAAAAAAAAAAAAAAAAAAAAAACf39/AO7s4QPMzMwAwMD/AH9/fwAAAAAAAAAAAAAAAAD///8AAAAAACEAAAAYAAAAFAAAAAAAAACECAAAwRkAADAqAAAQAAAAJgAAAAgAAAD//////////w=="/>
-              </a:ext>
-            </a:extLst>
-          </p:cNvPicPr>
-          <p:nvPr/>
-        </p:nvPicPr>
-        <p:blipFill>
-          <a:blip r:embed="rId2"/>
-          <a:stretch>
-            <a:fillRect/>
-          </a:stretch>
-        </p:blipFill>
-        <p:spPr>
-          <a:xfrm>
-            <a:off x="0" y="1384300"/>
-            <a:ext cx="4186555" cy="5473700"/>
-          </a:xfrm>
-          <a:prstGeom prst="rect">
-            <a:avLst/>
-          </a:prstGeom>
-          <a:noFill/>
-          <a:ln>
-            <a:noFill/>
-          </a:ln>
-          <a:effectLst/>
-        </p:spPr>
-      </p:pic>
-      <p:pic>
-        <p:nvPicPr>
-          <p:cNvPr id="4" name="Image 8"/>
-          <p:cNvPicPr>
-            <a:picLocks noChangeAspect="1"/>
-            <a:extLst>
-              <a:ext uri="smNativeData">
-                <pr:smNativeData xmlns:pr="smNativeData" xmlns="smNativeData" val="SMDATA_17_JtjWYhMAAAAlAAAAEQAAAC0AAAAAkAAAAEgAAACQAAAASAAAAAAAAAAAAAAAAAAAAAEAAABQAAAAAAAAAAAA4D8AAAAAAADgPwAAAAAAAOA/AAAAAAAA4D8AAAAAAADgPwAAAAAAAOA/AAAAAAAA4D8AAAAAAADgPwAAAAAAAOA/AAAAAAAA4D8CAAAAjAAAAAAAAAAAAAAAT4G9DP///wgAAAAAAAAAAAAAAAAAAAAAAAAAAAAAAAAAAAAAZAAAAAEAAABAAAAAAAAAAAAAAAAAAAAAAAAAAAAAAAAAAAAAAAAAAAAAAAAAAAAAAAAAAAAAAAAAAAAAAAAAAAAAAAAAAAAAAAAAAAAAAAAAAAAAAAAAAAAAAAAAAAAAFAAAADwAAAAAAAAAAAAAAAAAAAkUAAAAAQAAABQAAAAUAAAAFAAAAAEAAAAAAAAAZAAAAGQAAAAAAAAAZAAAAGQAAAAVAAAAYAAAAAAAAAAAAAAADwAAACADAAAAAAAAAAAAAAEAAACgMgAAVgcAAKr4//8BAAAAf39/AAEAAABkAAAAAAAAABQAAABAHwAAAAAAACYAAAAAAAAAwOD//wAAAAAmAAAAZAAAABYAAABMAAAAAAAAAAAAAAAEAAAAAAAAAAEAAADu7OEKAAAAACgAAAAoAAAAZAAAAGQAAAAAAAAAzMzMAAAAAABQAAAAUAAAAGQAAABkAAAAAAAAAAcAAAA4AAAAAAAAAAAAAAAAAAAA////AAAAAAAAAAAAAAAAAAAAAAAAAAAAAAAAAAAAAABkAAAAZAAAAAAAAAAjAAAABAAAAGQAAAAXAAAAFAAAAAAAAAAAAAAA/38AAP9/AAAAAAAACQAAAAQAAAAAAAAAHgAAAGgAAAAAAAAAAAAAAAAAAAAAAAAAAAAAABAnAAAQJwAAAAAAAAAAAAAAAAAAAAAAAAAAAAAAAAAAAAAAAAAAAAAUAAAAAAAAAMDA/wAAAAAAZAAAADIAAAAAAAAAZAAAAAAAAAB/f38ACgAAACIAAAAYAAAAAAAAAAAAAAAAAAAAAAAAAAAAAAAAAAAAJAAAACQAAAAAAAAABwAAAAAAAAAAAAAAAAAAAAAAAAAAAAAAAAAAAH9/fwAlAAAAWAAAAAAAAAAAAAAAAAAAAAAAAAAAAAAAAAAAAAAAAAAAAAAAAAAAAAAAAAAAAAAAPwAAAAAAAACghgEAAAAAAAAAAAAAAAAADAAAAAEAAAAAAAAAAAAAAAAAAAAfAAAAVAAAAE+BvQX///8BAAAAAAAAAAAAAAAAAAAAAAAAAAAAAAAAAAAAAAAAAAAAAAACf39/AO7s4QPMzMwAwMD/AH9/fwAAAAAAAAAAAAAAAAD///8AAAAAACEAAAAYAAAAFAAAAMEZAABlDQAAQDgAAOwiAAAQAAAAJgAAAAgAAAD//////////w=="/>
-              </a:ext>
-            </a:extLst>
-          </p:cNvPicPr>
-          <p:nvPr/>
-        </p:nvPicPr>
-        <p:blipFill>
-          <a:blip r:embed="rId3"/>
-          <a:stretch>
-            <a:fillRect/>
-          </a:stretch>
-        </p:blipFill>
-        <p:spPr>
-          <a:xfrm>
-            <a:off x="4186555" y="2177415"/>
-            <a:ext cx="4957445" cy="3499485"/>
-          </a:xfrm>
-          <a:prstGeom prst="rect">
-            <a:avLst/>
-          </a:prstGeom>
-          <a:noFill/>
-          <a:ln>
-            <a:noFill/>
-          </a:ln>
-          <a:effectLst/>
-        </p:spPr>
-      </p:pic>
+      <p:sp>
+        <p:nvSpPr>
+          <p:cNvPr id="3" name="Espace réservé du contenu 2"/>
+          <p:cNvSpPr>
+            <a:spLocks noGrp="1" noChangeArrowheads="1"/>
+            <a:extLst>
+              <a:ext uri="smNativeData">
+                <pr:smNativeData xmlns:pr="smNativeData" xmlns="smNativeData" val="SMDATA_15_iunWYhMAAAAlAAAAZAAAAA0AAAAAkAAAAEgAAACQAAAASAAAAAAAAAAAAAAAAAAAAAEAAABQAAAAAAAAAAAA4D8AAAAAAADgPwAAAAAAAOA/AAAAAAAA4D8AAAAAAADgPwAAAAAAAOA/AAAAAAAA4D8AAAAAAADgPwAAAAAAAOA/AAAAAAAA4D8CAAAAjAAAAAAAAAAAAAAAT4G9DP///wgAAAAAAAAAAAAAAAAAAAAAAAAAAAAAAAAAAAAAZAAAAAEAAABAAAAAAAAAAAAAAAAAAAAAAAAAAAAAAAAAAAAAAAAAAAAAAAAAAAAAAAAAAAAAAAAAAAAAAAAAAAAAAAAAAAAAAAAAAAAAAAAAAAAAAAAAAAAAAAAAAAAAFAAAADwAAAAAAAAAAAAAAAAAAAkUAAAAAQAAABQAAAAUAAAAFAAAAAEAAAAAAAAAZAAAAGQAAAAAAAAAZAAAAGQAAAAVAAAAYAAAAAAAAAAAAAAADwAAACADAAAAAAAAAAAAAAEAAACgMgAAVgcAAKr4//8BAAAAf39/AAEAAABkAAAAAAAAABQAAABAHwAAAAAAACYAAAAAAAAAwOD//wAAAAAmAAAAZAAAABYAAABMAAAAAAAAAAAAAAAEAAAAAAAAAAEAAADu7OEKAAAAACgAAAAoAAAAZAAAAGQAAAAAAAAAzMzMAAAAAABQAAAAUAAAAGQAAABkAAAAAAAAABcAAAAUAAAAAAAAAAAAAAD/fwAA/38AAAAAAAAJAAAABAAAAAAAAAAeAAAAaAAAAAAAAAAAAAAAAAAAAAAAAAAAAAAAECcAABAnAAAAAAAAAAAAAAAAAAAAAAAAAAAAAAAAAAAAAAAAAAAAABQAAAAAAAAAwMD/AAAAAABkAAAAMgAAAAAAAABkAAAAAAAAAH9/fwAKAAAAIgAAABgAAAAAAAAAAAAAAAAAAAAAAAAAAAAAAAAAAAAkAAAAJAAAAAAAAAAHAAAAAAAAAAAAAAAAAAAAAAAAAAAAAAAAAAAAf39/ACUAAABYAAAAAAAAAAAAAAAAAAAAAAAAAAAAAAAAAAAAAAAAAAAAAAAAAAAAAAAAAAAAAAA/AAAAAAAAAKCGAQAAAAAAAAAAAAAAAAAMAAAAAQAAAAAAAAAAAAAAAAAAAB8AAABUAAAAT4G9Bf///wEAAAAAAAAAAAAAAAAAAAAAAAAAAAAAAAAAAAAAAAAAAAAAAAJ/f38A7uzhA8zMzADAwP8Af39/AAAAAAAAAAAAAAAAAAAAAAAAAAAAIQAAABgAAAAUAAAA0AIAANgJAABwNQAAsCUAABAAAAAmAAAACAAAAAAgAAAAAAAA"/>
+              </a:ext>
+            </a:extLst>
+          </p:cNvSpPr>
+          <p:nvPr>
+            <p:ph type="body" idx="1"/>
+          </p:nvPr>
+        </p:nvSpPr>
+        <p:spPr/>
+        <p:txBody>
+          <a:bodyPr vert="horz" wrap="square" lIns="91440" tIns="45720" rIns="91440" bIns="45720" numCol="1" spcCol="215900" anchor="t">
+            <a:prstTxWarp prst="textNoShape">
+              <a:avLst/>
+            </a:prstTxWarp>
+          </a:bodyPr>
+          <a:lstStyle/>
+          <a:p>
+            <a:pPr>
+              <a:lnSpc>
+                <a:spcPct val="80000"/>
+              </a:lnSpc>
+              <a:spcBef>
+                <a:spcPts val="705"/>
+              </a:spcBef>
+              <a:buNone/>
+              <a:defRPr lang="fr-fr" sz="2945" cap="none"/>
+            </a:pPr>
+            <a:r>
+              <a:t>moveIndex = 0</a:t>
+            </a:r>
+          </a:p>
+          <a:p>
+            <a:pPr>
+              <a:lnSpc>
+                <a:spcPct val="80000"/>
+              </a:lnSpc>
+              <a:spcBef>
+                <a:spcPts val="705"/>
+              </a:spcBef>
+              <a:buNone/>
+              <a:defRPr lang="fr-fr" sz="2945" cap="none"/>
+            </a:pPr>
+            <a:r>
+              <a:t>moves[moveIndex++] = mvSlice(A)</a:t>
+            </a:r>
+          </a:p>
+          <a:p>
+            <a:pPr>
+              <a:lnSpc>
+                <a:spcPct val="80000"/>
+              </a:lnSpc>
+              <a:spcBef>
+                <a:spcPts val="705"/>
+              </a:spcBef>
+              <a:buNone/>
+              <a:defRPr lang="fr-fr" sz="2945" cap="none"/>
+            </a:pPr>
+            <a:r>
+              <a:t>moves[moveIndex++] = mvSlice(lalpha)</a:t>
+            </a:r>
+          </a:p>
+          <a:p>
+            <a:pPr>
+              <a:lnSpc>
+                <a:spcPct val="80000"/>
+              </a:lnSpc>
+              <a:spcBef>
+                <a:spcPts val="705"/>
+              </a:spcBef>
+              <a:buNone/>
+              <a:defRPr lang="fr-fr" sz="2945" cap="none"/>
+            </a:pPr>
+            <a:r>
+              <a:t>moves[moveIndex++] = mvSlide(A)</a:t>
+            </a:r>
+          </a:p>
+          <a:p>
+            <a:pPr>
+              <a:lnSpc>
+                <a:spcPct val="80000"/>
+              </a:lnSpc>
+              <a:spcBef>
+                <a:spcPts val="705"/>
+              </a:spcBef>
+              <a:buNone/>
+              <a:defRPr lang="fr-fr" sz="2945" cap="none"/>
+            </a:pPr>
+            <a:r>
+              <a:t>moves[moveIndex++] = mvSlide(lalpha)</a:t>
+            </a:r>
+          </a:p>
+          <a:p>
+            <a:pPr>
+              <a:lnSpc>
+                <a:spcPct val="80000"/>
+              </a:lnSpc>
+              <a:spcBef>
+                <a:spcPts val="705"/>
+              </a:spcBef>
+              <a:buNone/>
+              <a:defRPr lang="fr-fr" sz="2945" cap="none"/>
+            </a:pPr>
+            <a:r>
+              <a:t>moves[moveIndex++] = mvScale(A)</a:t>
+            </a:r>
+          </a:p>
+          <a:p>
+            <a:pPr>
+              <a:lnSpc>
+                <a:spcPct val="80000"/>
+              </a:lnSpc>
+              <a:spcBef>
+                <a:spcPts val="705"/>
+              </a:spcBef>
+              <a:buNone/>
+              <a:defRPr lang="fr-fr" sz="2945" cap="none"/>
+            </a:pPr>
+            <a:r>
+              <a:t>#...</a:t>
+            </a:r>
+          </a:p>
+          <a:p>
+            <a:pPr>
+              <a:lnSpc>
+                <a:spcPct val="80000"/>
+              </a:lnSpc>
+              <a:spcBef>
+                <a:spcPts val="705"/>
+              </a:spcBef>
+              <a:buNone/>
+              <a:defRPr lang="fr-fr" sz="2945" cap="none"/>
+            </a:pPr>
+            <a:r>
+              <a:t>mymcmc = mcmcmc(mymodel, monitors, moves, moveschedule="random", nchains=4, nruns=2)</a:t>
+            </a:r>
+          </a:p>
+          <a:p>
+            <a:pPr>
+              <a:lnSpc>
+                <a:spcPct val="80000"/>
+              </a:lnSpc>
+              <a:spcBef>
+                <a:spcPts val="705"/>
+              </a:spcBef>
+              <a:buNone/>
+              <a:defRPr lang="fr-fr" sz="2945" cap="none"/>
+            </a:pPr>
+          </a:p>
+        </p:txBody>
+      </p:sp>
     </p:spTree>
   </p:cSld>
   <p:clrMapOvr>
@@ -14589,7 +14646,7 @@
             <a:spLocks noGrp="1" noChangeArrowheads="1"/>
             <a:extLst>
               <a:ext uri="smNativeData">
-                <pr:smNativeData xmlns:pr="smNativeData" xmlns="smNativeData" val="SMDATA_15_JtjWYhMAAAAlAAAAZAAAAA0AAAAAkAAAAEgAAACQAAAASAAAAAAAAAABAAAAAAAAAAEAAABQAAAAAAAAAAAA4D8AAAAAAADgPwAAAAAAAOA/AAAAAAAA4D8AAAAAAADgPwAAAAAAAOA/AAAAAAAA4D8AAAAAAADgPwAAAAAAAOA/AAAAAAAA4D8CAAAAjAAAAAAAAAAAAAAAT4G9DP///wgAAAAAAAAAAAAAAAAAAAAAAAAAAAAAAAAAAAAAZAAAAAEAAABAAAAAAAAAAAAAAAAAAAAAAAAAAAAAAAAAAAAAAAAAAAAAAAAAAAAAAAAAAAAAAAAAAAAAAAAAAAAAAAAAAAAAAAAAAAAAAAAAAAAAAAAAAAAAAAAAAAAAFAAAADwAAAAAAAAAAAAAAAAAAAkUAAAAAQAAABQAAAAUAAAAFAAAAAEAAAAAAAAAZAAAAGQAAAAAAAAAZAAAAGQAAAAVAAAAYAAAAAAAAAAAAAAADwAAACADAAAAAAAAAAAAAAEAAACgMgAAVgcAAKr4//8BAAAAf39/AAEAAABkAAAAAAAAABQAAABAHwAAAAAAACYAAAAAAAAAwOD//wAAAAAmAAAAZAAAABYAAABMAAAAAAAAAAAAAAAEAAAAAAAAAAEAAADu7OEKAAAAACgAAAAoAAAAZAAAAGQAAAAAAAAAzMzMAAAAAABQAAAAUAAAAGQAAABkAAAAAAAAABcAAAAUAAAAAAAAAAAAAAD/fwAA/38AAAAAAAAJAAAABAAAAAAHSGAeAAAAaAAAAAAAAAAAAAAAAAAAAAAAAAAAAAAAECcAABAnAAAAAAAAAAAAAAAAAAAAAAAAAAAAAAAAAAAAAAAAAAAAABQAAAAAAAAAwMD/AAAAAABkAAAAMgAAAAAAAABkAAAAAAAAAH9/fwAKAAAAIgAAABgAAAAAAAAAAAAAAAAAAAAAAAAAAAAAAAAAAAAkAAAAJAAAAAAAAAAHAAAAAAAAAAAAAAAAAAAAAAAAAAAAAAAAAAAAf39/ACUAAABYAAAAAAAAAAAAAAAAAAAAAAAAAAAAAAAAAAAAAAAAAAAAAAAAAAAAAAAAAAAAAAA/AAAAAAAAAKCGAQAAAAAAAAAAAAAAAAAMAAAAAQAAAAAAAAAAAAAAAAAAAB8AAABUAAAAT4G9Bf///wEAAAAAAAAAAAAAAAAAAAAAAAAAAAAAAAAAAAAAAAAAAAAAAAJ/f38A7uzhA8zMzADAwP8Af39/AAAAAAAAAAAAAAAAAAAAAAAAAAAAIQAAABgAAAAUAAAA0AIAADf///9wNQAAPwYAABAAAAAmAAAACAAAAAEgAAAAAAAA"/>
+                <pr:smNativeData xmlns:pr="smNativeData" xmlns="smNativeData" val="SMDATA_15_iunWYhMAAAAlAAAAZAAAAA0AAAAAkAAAAEgAAACQAAAASAAAAAAAAAABAAAAAAAAAAEAAABQAAAAAAAAAAAA4D8AAAAAAADgPwAAAAAAAOA/AAAAAAAA4D8AAAAAAADgPwAAAAAAAOA/AAAAAAAA4D8AAAAAAADgPwAAAAAAAOA/AAAAAAAA4D8CAAAAjAAAAAAAAAAAAAAAT4G9DP///wgAAAAAAAAAAAAAAAAAAAAAAAAAAAAAAAAAAAAAZAAAAAEAAABAAAAAAAAAAAAAAAAAAAAAAAAAAAAAAAAAAAAAAAAAAAAAAAAAAAAAAAAAAAAAAAAAAAAAAAAAAAAAAAAAAAAAAAAAAAAAAAAAAAAAAAAAAAAAAAAAAAAAFAAAADwAAAAAAAAAAAAAAAAAAAkUAAAAAQAAABQAAAAUAAAAFAAAAAEAAAAAAAAAZAAAAGQAAAAAAAAAZAAAAGQAAAAVAAAAYAAAAAAAAAAAAAAADwAAACADAAAAAAAAAAAAAAEAAACgMgAAVgcAAKr4//8BAAAAf39/AAEAAABkAAAAAAAAABQAAABAHwAAAAAAACYAAAAAAAAAwOD//wAAAAAmAAAAZAAAABYAAABMAAAAAAAAAAAAAAAEAAAAAAAAAAEAAADu7OEKAAAAACgAAAAoAAAAZAAAAGQAAAAAAAAAzMzMAAAAAABQAAAAUAAAAGQAAABkAAAAAAAAABcAAAAUAAAAAAAAAAAAAAD/fwAA/38AAAAAAAAJAAAABAAAAAAAAAEeAAAAaAAAAAAAAAAAAAAAAAAAAAAAAAAAAAAAECcAABAnAAAAAAAAAAAAAAAAAAAAAAAAAAAAAAAAAAAAAAAAAAAAABQAAAAAAAAAwMD/AAAAAABkAAAAMgAAAAAAAABkAAAAAAAAAH9/fwAKAAAAIgAAABgAAAAAAAAAAAAAAAAAAAAAAAAAAAAAAAAAAAAkAAAAJAAAAAAAAAAHAAAAAAAAAAAAAAAAAAAAAAAAAAAAAAAAAAAAf39/ACUAAABYAAAAAAAAAAAAAAAAAAAAAAAAAAAAAAAAAAAAAAAAAAAAAAAAAAAAAAAAAAAAAAA/AAAAAAAAAKCGAQAAAAAAAAAAAAAAAAAMAAAAAQAAAAAAAAAAAAAAAAAAAB8AAABUAAAAT4G9Bf///wEAAAAAAAAAAAAAAAAAAAAAAAAAAAAAAAAAAAAAAAAAAAAAAAJ/f38A7uzhA8zMzADAwP8Af39/AAAAAAAAAAAAAAAAAAAAAAAAAAAAIQAAABgAAAAUAAAA0AIAAAAAAABwNQAACAcAABAAAAAmAAAACAAAAAEgAAAAAAAA"/>
               </a:ext>
             </a:extLst>
           </p:cNvSpPr>
@@ -14599,7 +14656,7 @@
         </p:nvSpPr>
         <p:spPr>
           <a:xfrm>
-            <a:off x="457200" y="-127635"/>
+            <a:off x="457200" y="0"/>
             <a:ext cx="8229600" cy="1143000"/>
           </a:xfrm>
         </p:spPr>
@@ -14615,123 +14672,68 @@
               <a:defRPr lang="fr-fr"/>
             </a:pPr>
             <a:r>
-              <a:t>Comparison with Jags</a:t>
+              <a:t>Convergence plots with coda</a:t>
             </a:r>
           </a:p>
         </p:txBody>
       </p:sp>
-      <p:grpSp>
-        <p:nvGrpSpPr>
-          <p:cNvPr id="3" name="Grouper 6"/>
-          <p:cNvGrpSpPr>
-            <a:extLst>
-              <a:ext uri="smNativeData">
-                <pr:smNativeData xmlns:pr="smNativeData" xmlns="smNativeData" val="SMDATA_6_JtjWYhMAAAAlAAAAAQAAAA8BAAAAkAAAAEgAAACQAAAASAAAAAAAAAAAAAAAAAAAABcAAAAUAAAAAAAAAAAAAAD/fwAA/38AAAAAAAAJAAAABAAAAAAAAAAfAAAAVAAAAAAAAAAAAAAAAAAAAAAAAAAAAAAAAAAAAAAAAAAAAAAAAAAAAAAAAAAAAAAAAAAAAAAAAAAAAAAAAAAAAAAAAAAAAAAAAAAAAAAAAAAAAAAAAAAAACEAAAAYAAAAFAAAAAAAAABcCAAAZhkAALAnAAAQAAAAJgAAAAgAAAD/////AAAAAA=="/>
-              </a:ext>
-            </a:extLst>
-          </p:cNvGrpSpPr>
-          <p:nvPr/>
-        </p:nvGrpSpPr>
-        <p:grpSpPr>
-          <a:xfrm>
-            <a:off x="0" y="1358900"/>
-            <a:ext cx="4128770" cy="5092700"/>
-            <a:chOff x="0" y="1358900"/>
-            <a:chExt cx="4128770" cy="5092700"/>
-          </a:xfrm>
-        </p:grpSpPr>
-        <p:pic>
-          <p:nvPicPr>
-            <p:cNvPr id="5" name="Image 4"/>
-            <p:cNvPicPr>
-              <a:picLocks noChangeAspect="1"/>
-              <a:extLst>
-                <a:ext uri="smNativeData">
-                  <pr:smNativeData xmlns:pr="smNativeData" xmlns="smNativeData" val="SMDATA_17_JtjWYhMAAAAlAAAAEQAAAC0AAAAAkAAAAEgAAACQAAAASAAAAAAAAAAAAAAAAAAAAAEAAABQAAAAAAAAAAAA4D8AAAAAAADgPwAAAAAAAOA/AAAAAAAA4D8AAAAAAADgPwAAAAAAAOA/AAAAAAAA4D8AAAAAAADgPwAAAAAAAOA/AAAAAAAA4D8CAAAAjAAAAAAAAAAAAAAAT4G9DP///wgAAAAAAAAAAAAAAAAAAAAAAAAAAAAAAAAAAAAAZAAAAAEAAABAAAAAAAAAAAAAAAAAAAAAAAAAAAAAAAAAAAAAAAAAAAAAAAAAAAAAAAAAAAAAAAAAAAAAAAAAAAAAAAAAAAAAAAAAAAAAAAAAAAAAAAAAAAAAAAAAAAAAFAAAADwAAAAAAAAAAAAAAAAAAAkUAAAAAQAAABQAAAAUAAAAFAAAAAEAAAAAAAAAZAAAAGQAAAAAAAAAZAAAAGQAAAAVAAAAYAAAAAAAAAAAAAAADwAAACADAAAAAAAAAAAAAAEAAACgMgAAVgcAAKr4//8BAAAAf39/AAEAAABkAAAAAAAAABQAAABAHwAAAAAAACYAAAAAAAAAwOD//wAAAAAmAAAAZAAAABYAAABMAAAAAAAAAAAAAAAEAAAAAAAAAAEAAADu7OEKAAAAACgAAAAoAAAAZAAAAGQAAAAAAAAAzMzMAAAAAABQAAAAUAAAAGQAAABkAAAAAAAAAAcAAAA4AAAAAAAAAAAAAAAAAAAA////AAAAAAAAAAAAAAAAAAAAAAAAAAAAAAAAAAAAAABkAAAAZAAAAAAAAAAjAAAABAAAAGQAAAAXAAAAFAAAAAAAAAAAAAAA/38AAP9/AAAAAAAACQAAAAQAAAAAAAAAHgAAAGgAAAAAAAAAAAAAAAAAAAAAAAAAAAAAABAnAAAQJwAAAAAAAAAAAAAAAAAAAAAAAAAAAAAAAAAAAAAAAAAAAAAUAAAAAAAAAMDA/wAAAAAAZAAAADIAAAAAAAAAZAAAAAAAAAB/f38ACgAAACIAAAAYAAAAAAAAAAAAAAAAAAAAAAAAAAAAAAAAAAAAJAAAACQAAAAAAAAABwAAAAAAAAAAAAAAAAAAAAAAAAAAAAAAAAAAAH9/fwAlAAAAWAAAAAAAAAAAAAAAAAAAAAAAAAAAAAAAAAAAAAAAAAAAAAAAAAAAAAAAAAAAAAAAPwAAAAAAAACghgEAAAAAAAAAAAAAAAAADAAAAAEAAAAAAAAAAAAAAAAAAAAfAAAAVAAAAE+BvQX///8BAAAAAAAAAAAAAAAAAAAAAAAAAAAAAAAAAAAAAAAAAAAAAAACf39/AO7s4QPMzMwAwMD/AH9/fwAAAAAAAAAAAAAAAAD///8AAAAAACEAAAAYAAAAFAAAAAAAAABcCAAAZhkAAC0ZAAAAAAAAJgAAAAgAAAD//////////w=="/>
-                </a:ext>
-              </a:extLst>
-            </p:cNvPicPr>
-            <p:nvPr/>
-          </p:nvPicPr>
-          <p:blipFill>
-            <a:blip r:embed="rId2"/>
-            <a:stretch>
-              <a:fillRect/>
-            </a:stretch>
-          </p:blipFill>
-          <p:spPr>
-            <a:xfrm>
-              <a:off x="0" y="1358900"/>
-              <a:ext cx="4128770" cy="2733675"/>
-            </a:xfrm>
-            <a:prstGeom prst="rect">
-              <a:avLst/>
-            </a:prstGeom>
-            <a:noFill/>
-            <a:ln>
-              <a:noFill/>
-            </a:ln>
-            <a:effectLst/>
-          </p:spPr>
-        </p:pic>
-        <p:pic>
-          <p:nvPicPr>
-            <p:cNvPr id="4" name="Image 5"/>
-            <p:cNvPicPr>
-              <a:picLocks noChangeAspect="1"/>
-              <a:extLst>
-                <a:ext uri="smNativeData">
-                  <pr:smNativeData xmlns:pr="smNativeData" xmlns="smNativeData" val="SMDATA_17_JtjWYhMAAAAlAAAAEQAAAC0AAAAAkAAAAEgAAACQAAAASAAAAAAAAAAAAAAAAAAAAAEAAABQAAAAAAAAAAAA4D8AAAAAAADgPwAAAAAAAOA/AAAAAAAA4D8AAAAAAADgPwAAAAAAAOA/AAAAAAAA4D8AAAAAAADgPwAAAAAAAOA/AAAAAAAA4D8CAAAAjAAAAAAAAAAAAAAAT4G9DP///wgAAAAAAAAAAAAAAAAAAAAAAAAAAAAAAAAAAAAAZAAAAAEAAABAAAAAAAAAAAAAAAAAAAAAAAAAAAAAAAAAAAAAAAAAAAAAAAAAAAAAAAAAAAAAAAAAAAAAAAAAAAAAAAAAAAAAAAAAAAAAAAAAAAAAAAAAAAAAAAAAAAAAFAAAADwAAAAAAAAAAAAAAAAAAAkUAAAAAQAAABQAAAAUAAAAFAAAAAEAAAAAAAAAZAAAAGQAAAAAAAAAZAAAAGQAAAAVAAAAYAAAAAAAAAAAAAAADwAAACADAAAAAAAAAAAAAAEAAACgMgAAVgcAAKr4//8BAAAAf39/AAEAAABkAAAAAAAAABQAAABAHwAAAAAAACYAAAAAAAAAwOD//wAAAAAmAAAAZAAAABYAAABMAAAAAAAAAAAAAAAEAAAAAAAAAAEAAADu7OEKAAAAACgAAAAoAAAAZAAAAGQAAAAAAAAAzMzMAAAAAABQAAAAUAAAAGQAAABkAAAAAAAAAAcAAAA4AAAAAAAAAAAAAAAAAAAA////AAAAAAAAAAAAAAAAAAAAAAAAAAAAAAAAAAAAAABkAAAAZAAAAAAAAAAjAAAABAAAAGQAAAAXAAAAFAAAAAAAAAAAAAAA/38AAP9/AAAAAAAACQAAAAQAAAAAAQABHgAAAGgAAAAAAAAAAAAAAAAAAAAAAAAAAAAAABAnAAAQJwAAAAAAAAAAAAAAAAAAAAAAAAAAAAAAAAAAAAAAAAAAAAAUAAAAAAAAAMDA/wAAAAAAZAAAADIAAAAAAAAAZAAAAAAAAAB/f38ACgAAACIAAAAYAAAAAAAAAAAAAAAAAAAAAAAAAAAAAAAAAAAAJAAAACQAAAAAAAAABwAAAAAAAAAAAAAAAAAAAAAAAAAAAAAAAAAAAH9/fwAlAAAAWAAAAAAAAAAAAAAAAAAAAAAAAAAAAAAAAAAAAAAAAAAAAAAAAAAAAAAAAAAAAAAAPwAAAAAAAACghgEAAAAAAAAAAAAAAAAADAAAAAEAAAAAAAAAAAAAAAAAAAAfAAAAVAAAAE+BvQX///8BAAAAAAAAAAAAAAAAAAAAAAAAAAAAAAAAAAAAAAAAAAAAAAACf39/AO7s4QPMzMwAwMD/AH9/fwAAAAAAAAAAAAAAAAD///8AAAAAACEAAAAYAAAAFAAAAAAAAAAiFwAAZhkAALAnAAAAAAAAJgAAAAgAAAD//////////w=="/>
-                </a:ext>
-              </a:extLst>
-            </p:cNvPicPr>
-            <p:nvPr/>
-          </p:nvPicPr>
-          <p:blipFill>
-            <a:blip r:embed="rId3"/>
-            <a:stretch>
-              <a:fillRect/>
-            </a:stretch>
-          </p:blipFill>
-          <p:spPr>
-            <a:xfrm>
-              <a:off x="0" y="3760470"/>
-              <a:ext cx="4128770" cy="2691130"/>
-            </a:xfrm>
-            <a:prstGeom prst="rect">
-              <a:avLst/>
-            </a:prstGeom>
-            <a:noFill/>
-            <a:ln>
-              <a:noFill/>
-            </a:ln>
-            <a:effectLst/>
-          </p:spPr>
-        </p:pic>
-      </p:grpSp>
       <p:pic>
         <p:nvPicPr>
-          <p:cNvPr id="6" name="Image 7"/>
+          <p:cNvPr id="3" name="Image 7"/>
           <p:cNvPicPr>
             <a:picLocks noChangeAspect="1"/>
             <a:extLst>
               <a:ext uri="smNativeData">
-                <pr:smNativeData xmlns:pr="smNativeData" xmlns="smNativeData" val="SMDATA_17_JtjWYhMAAAAlAAAAEQAAAC0AAAAAkAAAAEgAAACQAAAASAAAAAAAAAAAAAAAAAAAAAEAAABQAAAAAAAAAAAA4D8AAAAAAADgPwAAAAAAAOA/AAAAAAAA4D8AAAAAAADgPwAAAAAAAOA/AAAAAAAA4D8AAAAAAADgPwAAAAAAAOA/AAAAAAAA4D8CAAAAjAAAAAAAAAAAAAAAT4G9DP///wgAAAAAAAAAAAAAAAAAAAAAAAAAAAAAAAAAAAAAZAAAAAEAAABAAAAAAAAAAAAAAAAAAAAAAAAAAAAAAAAAAAAAAAAAAAAAAAAAAAAAAAAAAAAAAAAAAAAAAAAAAAAAAAAAAAAAAAAAAAAAAAAAAAAAAAAAAAAAAAAAAAAAFAAAADwAAAAAAAAAAAAAAAAAAAkUAAAAAQAAABQAAAAUAAAAFAAAAAEAAAAAAAAAZAAAAGQAAAAAAAAAZAAAAGQAAAAVAAAAYAAAAAAAAAAAAAAADwAAACADAAAAAAAAAAAAAAEAAACgMgAAVgcAAKr4//8BAAAAf39/AAEAAABkAAAAAAAAABQAAABAHwAAAAAAACYAAAAAAAAAwOD//wAAAAAmAAAAZAAAABYAAABMAAAAAAAAAAAAAAAEAAAAAAAAAAEAAADu7OEKAAAAACgAAAAoAAAAZAAAAGQAAAAAAAAAzMzMAAAAAABQAAAAUAAAAGQAAABkAAAAAAAAAAcAAAA4AAAAAAAAAAAAAAAAAAAA////AAAAAAAAAAAAAAAAAAAAAAAAAAAAAAAAAAAAAABkAAAAZAAAAAAAAAAjAAAABAAAAGQAAAAXAAAAFAAAAAAAAAAAAAAA/38AAP9/AAAAAAAACQAAAAQAAAAAAAAAHgAAAGgAAAAAAAAAAAAAAAAAAAAAAAAAAAAAABAnAAAQJwAAAAAAAAAAAAAAAAAAAAAAAAAAAAAAAAAAAAAAAAAAAAAUAAAAAAAAAMDA/wAAAAAAZAAAADIAAAAAAAAAZAAAAAAAAAB/f38ACgAAACIAAAAYAAAAAAAAAAAAAAAAAAAAAAAAAAAAAAAAAAAAJAAAACQAAAAAAAAABwAAAAAAAAAAAAAAAAAAAAAAAAAAAAAAAAAAAH9/fwAlAAAAWAAAAAAAAAAAAAAAAAAAAAAAAAAAAAAAAAAAAAAAAAAAAAAAAAAAAAAAAAAAAAAAPwAAAAAAAACghgEAAAAAAAAAAAAAAAAADAAAAAEAAAAAAAAAAAAAAAAAAAAfAAAAVAAAAE+BvQX///8BAAAAAAAAAAAAAAAAAAAAAAAAAAAAAAAAAAAAAAAAAAAAAAACf39/AO7s4QPMzMwAwMD/AH9/fwAAAAAAAAAAAAAAAAD///8AAAAAACEAAAAYAAAAFAAAAGYZAAAhDQAAQDgAALEiAAAQAAAAJgAAAAgAAAD//////////w=="/>
+                <pr:smNativeData xmlns:pr="smNativeData" xmlns="smNativeData" val="SMDATA_17_iunWYhMAAAAlAAAAEQAAAC0AAAAAkAAAAEgAAACQAAAASAAAAAAAAAAAAAAAAAAAAAEAAABQAAAAAAAAAAAA4D8AAAAAAADgPwAAAAAAAOA/AAAAAAAA4D8AAAAAAADgPwAAAAAAAOA/AAAAAAAA4D8AAAAAAADgPwAAAAAAAOA/AAAAAAAA4D8CAAAAjAAAAAAAAAAAAAAAT4G9DP///wgAAAAAAAAAAAAAAAAAAAAAAAAAAAAAAAAAAAAAZAAAAAEAAABAAAAAAAAAAAAAAAAAAAAAAAAAAAAAAAAAAAAAAAAAAAAAAAAAAAAAAAAAAAAAAAAAAAAAAAAAAAAAAAAAAAAAAAAAAAAAAAAAAAAAAAAAAAAAAAAAAAAAFAAAADwAAAAAAAAAAAAAAAAAAAkUAAAAAQAAABQAAAAUAAAAFAAAAAEAAAAAAAAAZAAAAGQAAAAAAAAAZAAAAGQAAAAVAAAAYAAAAAAAAAAAAAAADwAAACADAAAAAAAAAAAAAAEAAACgMgAAVgcAAKr4//8BAAAAf39/AAEAAABkAAAAAAAAABQAAABAHwAAAAAAACYAAAAAAAAAwOD//wAAAAAmAAAAZAAAABYAAABMAAAAAAAAAAAAAAAEAAAAAAAAAAEAAADu7OEKAAAAACgAAAAoAAAAZAAAAGQAAAAAAAAAzMzMAAAAAABQAAAAUAAAAGQAAABkAAAAAAAAAAcAAAA4AAAAAAAAAAAAAAAAAAAA////AAAAAAAAAAAAAAAAAAAAAAAAAAAAAAAAAAAAAABkAAAAZAAAAAAAAAAjAAAABAAAAGQAAAAXAAAAFAAAAAAAAAAAAAAA/38AAP9/AAAAAAAACQAAAAQAAAAAAAAAHgAAAGgAAAAAAAAAAAAAAAAAAAAAAAAAAAAAABAnAAAQJwAAAAAAAAAAAAAAAAAAAAAAAAAAAAAAAAAAAAAAAAAAAAAUAAAAAAAAAMDA/wAAAAAAZAAAADIAAAAAAAAAZAAAAAAAAAB/f38ACgAAACIAAAAYAAAAAAAAAAAAAAAAAAAAAAAAAAAAAAAAAAAAJAAAACQAAAAAAAAABwAAAAAAAAAAAAAAAAAAAAAAAAAAAAAAAAAAAH9/fwAlAAAAWAAAAAAAAAAAAAAAAAAAAAAAAAAAAAAAAAAAAAAAAAAAAAAAAAAAAAAAAAAAAAAAPwAAAAAAAACghgEAAAAAAAAAAAAAAAAADAAAAAEAAAAAAAAAAAAAAAAAAAAfAAAAVAAAAE+BvQX///8BAAAAAAAAAAAAAAAAAAAAAAAAAAAAAAAAAAAAAAAAAAAAAAACf39/AO7s4QPMzMwAwMD/AH9/fwAAAAAAAAAAAAAAAAD///8AAAAAACEAAAAYAAAAFAAAAAAAAACECAAAwRkAADAqAAAQAAAAJgAAAAgAAAD//////////w=="/>
               </a:ext>
             </a:extLst>
           </p:cNvPicPr>
           <p:nvPr/>
         </p:nvPicPr>
         <p:blipFill>
-          <a:blip r:embed="rId4"/>
+          <a:blip r:embed="rId2"/>
           <a:stretch>
             <a:fillRect/>
           </a:stretch>
         </p:blipFill>
         <p:spPr>
           <a:xfrm>
-            <a:off x="4128770" y="2134235"/>
-            <a:ext cx="5015230" cy="3505200"/>
+            <a:off x="0" y="1384300"/>
+            <a:ext cx="4186555" cy="5473700"/>
+          </a:xfrm>
+          <a:prstGeom prst="rect">
+            <a:avLst/>
+          </a:prstGeom>
+          <a:noFill/>
+          <a:ln>
+            <a:noFill/>
+          </a:ln>
+          <a:effectLst/>
+        </p:spPr>
+      </p:pic>
+      <p:pic>
+        <p:nvPicPr>
+          <p:cNvPr id="4" name="Image 8"/>
+          <p:cNvPicPr>
+            <a:picLocks noChangeAspect="1"/>
+            <a:extLst>
+              <a:ext uri="smNativeData">
+                <pr:smNativeData xmlns:pr="smNativeData" xmlns="smNativeData" val="SMDATA_17_iunWYhMAAAAlAAAAEQAAAC0AAAAAkAAAAEgAAACQAAAASAAAAAAAAAAAAAAAAAAAAAEAAABQAAAAAAAAAAAA4D8AAAAAAADgPwAAAAAAAOA/AAAAAAAA4D8AAAAAAADgPwAAAAAAAOA/AAAAAAAA4D8AAAAAAADgPwAAAAAAAOA/AAAAAAAA4D8CAAAAjAAAAAAAAAAAAAAAT4G9DP///wgAAAAAAAAAAAAAAAAAAAAAAAAAAAAAAAAAAAAAZAAAAAEAAABAAAAAAAAAAAAAAAAAAAAAAAAAAAAAAAAAAAAAAAAAAAAAAAAAAAAAAAAAAAAAAAAAAAAAAAAAAAAAAAAAAAAAAAAAAAAAAAAAAAAAAAAAAAAAAAAAAAAAFAAAADwAAAAAAAAAAAAAAAAAAAkUAAAAAQAAABQAAAAUAAAAFAAAAAEAAAAAAAAAZAAAAGQAAAAAAAAAZAAAAGQAAAAVAAAAYAAAAAAAAAAAAAAADwAAACADAAAAAAAAAAAAAAEAAACgMgAAVgcAAKr4//8BAAAAf39/AAEAAABkAAAAAAAAABQAAABAHwAAAAAAACYAAAAAAAAAwOD//wAAAAAmAAAAZAAAABYAAABMAAAAAAAAAAAAAAAEAAAAAAAAAAEAAADu7OEKAAAAACgAAAAoAAAAZAAAAGQAAAAAAAAAzMzMAAAAAABQAAAAUAAAAGQAAABkAAAAAAAAAAcAAAA4AAAAAAAAAAAAAAAAAAAA////AAAAAAAAAAAAAAAAAAAAAAAAAAAAAAAAAAAAAABkAAAAZAAAAAAAAAAjAAAABAAAAGQAAAAXAAAAFAAAAAAAAAAAAAAA/38AAP9/AAAAAAAACQAAAAQAAAAAAAAAHgAAAGgAAAAAAAAAAAAAAAAAAAAAAAAAAAAAABAnAAAQJwAAAAAAAAAAAAAAAAAAAAAAAAAAAAAAAAAAAAAAAAAAAAAUAAAAAAAAAMDA/wAAAAAAZAAAADIAAAAAAAAAZAAAAAAAAAB/f38ACgAAACIAAAAYAAAAAAAAAAAAAAAAAAAAAAAAAAAAAAAAAAAAJAAAACQAAAAAAAAABwAAAAAAAAAAAAAAAAAAAAAAAAAAAAAAAAAAAH9/fwAlAAAAWAAAAAAAAAAAAAAAAAAAAAAAAAAAAAAAAAAAAAAAAAAAAAAAAAAAAAAAAAAAAAAAPwAAAAAAAACghgEAAAAAAAAAAAAAAAAADAAAAAEAAAAAAAAAAAAAAAAAAAAfAAAAVAAAAE+BvQX///8BAAAAAAAAAAAAAAAAAAAAAAAAAAAAAAAAAAAAAAAAAAAAAAACf39/AO7s4QPMzMwAwMD/AH9/fwAAAAAAAAAAAAAAAAD///8AAAAAACEAAAAYAAAAFAAAAMEZAABlDQAAQDgAAOwiAAAQAAAAJgAAAAgAAAD//////////w=="/>
+              </a:ext>
+            </a:extLst>
+          </p:cNvPicPr>
+          <p:nvPr/>
+        </p:nvPicPr>
+        <p:blipFill>
+          <a:blip r:embed="rId3"/>
+          <a:stretch>
+            <a:fillRect/>
+          </a:stretch>
+        </p:blipFill>
+        <p:spPr>
+          <a:xfrm>
+            <a:off x="4186555" y="2177415"/>
+            <a:ext cx="4957445" cy="3499485"/>
           </a:xfrm>
           <a:prstGeom prst="rect">
             <a:avLst/>
@@ -14782,7 +14784,7 @@
             <a:spLocks noGrp="1" noChangeArrowheads="1"/>
             <a:extLst>
               <a:ext uri="smNativeData">
-                <pr:smNativeData xmlns:pr="smNativeData" xmlns="smNativeData" val="SMDATA_15_JtjWYhMAAAAlAAAAZAAAAA0AAAAAkAAAAEgAAACQAAAASAAAAAAAAAABAAAAAAAAAAEAAABQAAAAAAAAAAAA4D8AAAAAAADgPwAAAAAAAOA/AAAAAAAA4D8AAAAAAADgPwAAAAAAAOA/AAAAAAAA4D8AAAAAAADgPwAAAAAAAOA/AAAAAAAA4D8CAAAAjAAAAAAAAAAAAAAAT4G9DP///wgAAAAAAAAAAAAAAAAAAAAAAAAAAAAAAAAAAAAAZAAAAAEAAABAAAAAAAAAAAAAAAAAAAAAAAAAAAAAAAAAAAAAAAAAAAAAAAAAAAAAAAAAAAAAAAAAAAAAAAAAAAAAAAAAAAAAAAAAAAAAAAAAAAAAAAAAAAAAAAAAAAAAFAAAADwAAAAAAAAAAAAAAAAAAAkUAAAAAQAAABQAAAAUAAAAFAAAAAEAAAAAAAAAZAAAAGQAAAAAAAAAZAAAAGQAAAAVAAAAYAAAAAAAAAAAAAAADwAAACADAAAAAAAAAAAAAAEAAACgMgAAVgcAAKr4//8BAAAAf39/AAEAAABkAAAAAAAAABQAAABAHwAAAAAAACYAAAAAAAAAwOD//wAAAAAmAAAAZAAAABYAAABMAAAAAAAAAAAAAAAEAAAAAAAAAAEAAADu7OEKAAAAACgAAAAoAAAAZAAAAGQAAAAAAAAAzMzMAAAAAABQAAAAUAAAAGQAAABkAAAAAAAAABcAAAAUAAAAAAAAAAAAAAD/fwAA/38AAAAAAAAJAAAABAAAAAehCPgeAAAAaAAAAAAAAAAAAAAAAAAAAAAAAAAAAAAAECcAABAnAAAAAAAAAAAAAAAAAAAAAAAAAAAAAAAAAAAAAAAAAAAAABQAAAAAAAAAwMD/AAAAAABkAAAAMgAAAAAAAABkAAAAAAAAAH9/fwAKAAAAIgAAABgAAAAAAAAAAAAAAAAAAAAAAAAAAAAAAAAAAAAkAAAAJAAAAAAAAAAHAAAAAAAAAAAAAAAAAAAAAAAAAAAAAAAAAAAAf39/ACUAAABYAAAAAAAAAAAAAAAAAAAAAAAAAAAAAAAAAAAAAAAAAAAAAAAAAAAAAAAAAAAAAAA/AAAAAAAAAKCGAQAAAAAAAAAAAAAAAAAMAAAAAQAAAAAAAAAAAAAAAAAAAB8AAABUAAAAT4G9Bf///wEAAAAAAAAAAAAAAAAAAAAAAAAAAAAAAAAAAAAAAAAAAAAAAAJ/f38A7uzhA8zMzADAwP8Af39/AAAAAAAAAAAAAAAAAAAAAAAAAAAAIQAAABgAAAAUAAAA0AIAADf///9wNQAAPwYAABAAAAAmAAAACAAAAAEgAAAAAAAA"/>
+                <pr:smNativeData xmlns:pr="smNativeData" xmlns="smNativeData" val="SMDATA_15_iunWYhMAAAAlAAAAZAAAAA0AAAAAkAAAAEgAAACQAAAASAAAAAAAAAABAAAAAAAAAAEAAABQAAAAAAAAAAAA4D8AAAAAAADgPwAAAAAAAOA/AAAAAAAA4D8AAAAAAADgPwAAAAAAAOA/AAAAAAAA4D8AAAAAAADgPwAAAAAAAOA/AAAAAAAA4D8CAAAAjAAAAAAAAAAAAAAAT4G9DP///wgAAAAAAAAAAAAAAAAAAAAAAAAAAAAAAAAAAAAAZAAAAAEAAABAAAAAAAAAAAAAAAAAAAAAAAAAAAAAAAAAAAAAAAAAAAAAAAAAAAAAAAAAAAAAAAAAAAAAAAAAAAAAAAAAAAAAAAAAAAAAAAAAAAAAAAAAAAAAAAAAAAAAFAAAADwAAAAAAAAAAAAAAAAAAAkUAAAAAQAAABQAAAAUAAAAFAAAAAEAAAAAAAAAZAAAAGQAAAAAAAAAZAAAAGQAAAAVAAAAYAAAAAAAAAAAAAAADwAAACADAAAAAAAAAAAAAAEAAACgMgAAVgcAAKr4//8BAAAAf39/AAEAAABkAAAAAAAAABQAAABAHwAAAAAAACYAAAAAAAAAwOD//wAAAAAmAAAAZAAAABYAAABMAAAAAAAAAAAAAAAEAAAAAAAAAAEAAADu7OEKAAAAACgAAAAoAAAAZAAAAGQAAAAAAAAAzMzMAAAAAABQAAAAUAAAAGQAAABkAAAAAAAAABcAAAAUAAAAAAAAAAAAAAD/fwAA/38AAAAAAAAJAAAABAAAAAAHSGAeAAAAaAAAAAAAAAAAAAAAAAAAAAAAAAAAAAAAECcAABAnAAAAAAAAAAAAAAAAAAAAAAAAAAAAAAAAAAAAAAAAAAAAABQAAAAAAAAAwMD/AAAAAABkAAAAMgAAAAAAAABkAAAAAAAAAH9/fwAKAAAAIgAAABgAAAAAAAAAAAAAAAAAAAAAAAAAAAAAAAAAAAAkAAAAJAAAAAAAAAAHAAAAAAAAAAAAAAAAAAAAAAAAAAAAAAAAAAAAf39/ACUAAABYAAAAAAAAAAAAAAAAAAAAAAAAAAAAAAAAAAAAAAAAAAAAAAAAAAAAAAAAAAAAAAA/AAAAAAAAAKCGAQAAAAAAAAAAAAAAAAAMAAAAAQAAAAAAAAAAAAAAAAAAAB8AAABUAAAAT4G9Bf///wEAAAAAAAAAAAAAAAAAAAAAAAAAAAAAAAAAAAAAAAAAAAAAAAJ/f38A7uzhA8zMzADAwP8Af39/AAAAAAAAAAAAAAAAAAAAAAAAAAAAIQAAABgAAAAUAAAA0AIAADf///9wNQAAPwYAABAAAAAmAAAACAAAAAEgAAAAAAAA"/>
               </a:ext>
             </a:extLst>
           </p:cNvSpPr>
@@ -14808,68 +14810,123 @@
               <a:defRPr lang="fr-fr"/>
             </a:pPr>
             <a:r>
-              <a:t>Comparison with Stan</a:t>
+              <a:t>Comparison with Jags</a:t>
             </a:r>
           </a:p>
         </p:txBody>
       </p:sp>
+      <p:grpSp>
+        <p:nvGrpSpPr>
+          <p:cNvPr id="3" name="Grouper 6"/>
+          <p:cNvGrpSpPr>
+            <a:extLst>
+              <a:ext uri="smNativeData">
+                <pr:smNativeData xmlns:pr="smNativeData" xmlns="smNativeData" val="SMDATA_6_iunWYhMAAAAlAAAAAQAAAA8BAAAAkAAAAEgAAACQAAAASAAAAAAAAAAAAAAAAAAAABcAAAAUAAAAAAAAAAAAAAD/fwAA/38AAAAAAAAJAAAABAAAAAAAAAAfAAAAVAAAAAAAAAAAAAAAAAAAAAAAAAAAAAAAAAAAAAAAAAAAAAAAAAAAAAAAAAAAAAAAAAAAAAAAAAAAAAAAAAAAAAAAAAAAAAAAAAAAAAAAAAAAAAAAAAAAACEAAAAYAAAAFAAAAAAAAABcCAAAZhkAALAnAAAQAAAAJgAAAAgAAAD/////AAAAAA=="/>
+              </a:ext>
+            </a:extLst>
+          </p:cNvGrpSpPr>
+          <p:nvPr/>
+        </p:nvGrpSpPr>
+        <p:grpSpPr>
+          <a:xfrm>
+            <a:off x="0" y="1358900"/>
+            <a:ext cx="4128770" cy="5092700"/>
+            <a:chOff x="0" y="1358900"/>
+            <a:chExt cx="4128770" cy="5092700"/>
+          </a:xfrm>
+        </p:grpSpPr>
+        <p:pic>
+          <p:nvPicPr>
+            <p:cNvPr id="5" name="Image 4"/>
+            <p:cNvPicPr>
+              <a:picLocks noChangeAspect="1"/>
+              <a:extLst>
+                <a:ext uri="smNativeData">
+                  <pr:smNativeData xmlns:pr="smNativeData" xmlns="smNativeData" val="SMDATA_17_iunWYhMAAAAlAAAAEQAAAC0AAAAAkAAAAEgAAACQAAAASAAAAAAAAAAAAAAAAAAAAAEAAABQAAAAAAAAAAAA4D8AAAAAAADgPwAAAAAAAOA/AAAAAAAA4D8AAAAAAADgPwAAAAAAAOA/AAAAAAAA4D8AAAAAAADgPwAAAAAAAOA/AAAAAAAA4D8CAAAAjAAAAAAAAAAAAAAAT4G9DP///wgAAAAAAAAAAAAAAAAAAAAAAAAAAAAAAAAAAAAAZAAAAAEAAABAAAAAAAAAAAAAAAAAAAAAAAAAAAAAAAAAAAAAAAAAAAAAAAAAAAAAAAAAAAAAAAAAAAAAAAAAAAAAAAAAAAAAAAAAAAAAAAAAAAAAAAAAAAAAAAAAAAAAFAAAADwAAAAAAAAAAAAAAAAAAAkUAAAAAQAAABQAAAAUAAAAFAAAAAEAAAAAAAAAZAAAAGQAAAAAAAAAZAAAAGQAAAAVAAAAYAAAAAAAAAAAAAAADwAAACADAAAAAAAAAAAAAAEAAACgMgAAVgcAAKr4//8BAAAAf39/AAEAAABkAAAAAAAAABQAAABAHwAAAAAAACYAAAAAAAAAwOD//wAAAAAmAAAAZAAAABYAAABMAAAAAAAAAAAAAAAEAAAAAAAAAAEAAADu7OEKAAAAACgAAAAoAAAAZAAAAGQAAAAAAAAAzMzMAAAAAABQAAAAUAAAAGQAAABkAAAAAAAAAAcAAAA4AAAAAAAAAAAAAAAAAAAA////AAAAAAAAAAAAAAAAAAAAAAAAAAAAAAAAAAAAAABkAAAAZAAAAAAAAAAjAAAABAAAAGQAAAAXAAAAFAAAAAAAAAAAAAAA/38AAP9/AAAAAAAACQAAAAQAAAAAAAAAHgAAAGgAAAAAAAAAAAAAAAAAAAAAAAAAAAAAABAnAAAQJwAAAAAAAAAAAAAAAAAAAAAAAAAAAAAAAAAAAAAAAAAAAAAUAAAAAAAAAMDA/wAAAAAAZAAAADIAAAAAAAAAZAAAAAAAAAB/f38ACgAAACIAAAAYAAAAAAAAAAAAAAAAAAAAAAAAAAAAAAAAAAAAJAAAACQAAAAAAAAABwAAAAAAAAAAAAAAAAAAAAAAAAAAAAAAAAAAAH9/fwAlAAAAWAAAAAAAAAAAAAAAAAAAAAAAAAAAAAAAAAAAAAAAAAAAAAAAAAAAAAAAAAAAAAAAPwAAAAAAAACghgEAAAAAAAAAAAAAAAAADAAAAAEAAAAAAAAAAAAAAAAAAAAfAAAAVAAAAE+BvQX///8BAAAAAAAAAAAAAAAAAAAAAAAAAAAAAAAAAAAAAAAAAAAAAAACf39/AO7s4QPMzMwAwMD/AH9/fwAAAAAAAAAAAAAAAAD///8AAAAAACEAAAAYAAAAFAAAAAAAAABcCAAAZhkAAC0ZAAAAAAAAJgAAAAgAAAD//////////w=="/>
+                </a:ext>
+              </a:extLst>
+            </p:cNvPicPr>
+            <p:nvPr/>
+          </p:nvPicPr>
+          <p:blipFill>
+            <a:blip r:embed="rId2"/>
+            <a:stretch>
+              <a:fillRect/>
+            </a:stretch>
+          </p:blipFill>
+          <p:spPr>
+            <a:xfrm>
+              <a:off x="0" y="1358900"/>
+              <a:ext cx="4128770" cy="2733675"/>
+            </a:xfrm>
+            <a:prstGeom prst="rect">
+              <a:avLst/>
+            </a:prstGeom>
+            <a:noFill/>
+            <a:ln>
+              <a:noFill/>
+            </a:ln>
+            <a:effectLst/>
+          </p:spPr>
+        </p:pic>
+        <p:pic>
+          <p:nvPicPr>
+            <p:cNvPr id="4" name="Image 5"/>
+            <p:cNvPicPr>
+              <a:picLocks noChangeAspect="1"/>
+              <a:extLst>
+                <a:ext uri="smNativeData">
+                  <pr:smNativeData xmlns:pr="smNativeData" xmlns="smNativeData" val="SMDATA_17_iunWYhMAAAAlAAAAEQAAAC0AAAAAkAAAAEgAAACQAAAASAAAAAAAAAAAAAAAAAAAAAEAAABQAAAAAAAAAAAA4D8AAAAAAADgPwAAAAAAAOA/AAAAAAAA4D8AAAAAAADgPwAAAAAAAOA/AAAAAAAA4D8AAAAAAADgPwAAAAAAAOA/AAAAAAAA4D8CAAAAjAAAAAAAAAAAAAAAT4G9DP///wgAAAAAAAAAAAAAAAAAAAAAAAAAAAAAAAAAAAAAZAAAAAEAAABAAAAAAAAAAAAAAAAAAAAAAAAAAAAAAAAAAAAAAAAAAAAAAAAAAAAAAAAAAAAAAAAAAAAAAAAAAAAAAAAAAAAAAAAAAAAAAAAAAAAAAAAAAAAAAAAAAAAAFAAAADwAAAAAAAAAAAAAAAAAAAkUAAAAAQAAABQAAAAUAAAAFAAAAAEAAAAAAAAAZAAAAGQAAAAAAAAAZAAAAGQAAAAVAAAAYAAAAAAAAAAAAAAADwAAACADAAAAAAAAAAAAAAEAAACgMgAAVgcAAKr4//8BAAAAf39/AAEAAABkAAAAAAAAABQAAABAHwAAAAAAACYAAAAAAAAAwOD//wAAAAAmAAAAZAAAABYAAABMAAAAAAAAAAAAAAAEAAAAAAAAAAEAAADu7OEKAAAAACgAAAAoAAAAZAAAAGQAAAAAAAAAzMzMAAAAAABQAAAAUAAAAGQAAABkAAAAAAAAAAcAAAA4AAAAAAAAAAAAAAAAAAAA////AAAAAAAAAAAAAAAAAAAAAAAAAAAAAAAAAAAAAABkAAAAZAAAAAAAAAAjAAAABAAAAGQAAAAXAAAAFAAAAAAAAAAAAAAA/38AAP9/AAAAAAAACQAAAAQAAAAAAQABHgAAAGgAAAAAAAAAAAAAAAAAAAAAAAAAAAAAABAnAAAQJwAAAAAAAAAAAAAAAAAAAAAAAAAAAAAAAAAAAAAAAAAAAAAUAAAAAAAAAMDA/wAAAAAAZAAAADIAAAAAAAAAZAAAAAAAAAB/f38ACgAAACIAAAAYAAAAAAAAAAAAAAAAAAAAAAAAAAAAAAAAAAAAJAAAACQAAAAAAAAABwAAAAAAAAAAAAAAAAAAAAAAAAAAAAAAAAAAAH9/fwAlAAAAWAAAAAAAAAAAAAAAAAAAAAAAAAAAAAAAAAAAAAAAAAAAAAAAAAAAAAAAAAAAAAAAPwAAAAAAAACghgEAAAAAAAAAAAAAAAAADAAAAAEAAAAAAAAAAAAAAAAAAAAfAAAAVAAAAE+BvQX///8BAAAAAAAAAAAAAAAAAAAAAAAAAAAAAAAAAAAAAAAAAAAAAAACf39/AO7s4QPMzMwAwMD/AH9/fwAAAAAAAAAAAAAAAAD///8AAAAAACEAAAAYAAAAFAAAAAAAAAAiFwAAZhkAALAnAAAAAAAAJgAAAAgAAAD//////////w=="/>
+                </a:ext>
+              </a:extLst>
+            </p:cNvPicPr>
+            <p:nvPr/>
+          </p:nvPicPr>
+          <p:blipFill>
+            <a:blip r:embed="rId3"/>
+            <a:stretch>
+              <a:fillRect/>
+            </a:stretch>
+          </p:blipFill>
+          <p:spPr>
+            <a:xfrm>
+              <a:off x="0" y="3760470"/>
+              <a:ext cx="4128770" cy="2691130"/>
+            </a:xfrm>
+            <a:prstGeom prst="rect">
+              <a:avLst/>
+            </a:prstGeom>
+            <a:noFill/>
+            <a:ln>
+              <a:noFill/>
+            </a:ln>
+            <a:effectLst/>
+          </p:spPr>
+        </p:pic>
+      </p:grpSp>
       <p:pic>
         <p:nvPicPr>
-          <p:cNvPr id="3" name="Image 6"/>
+          <p:cNvPr id="6" name="Image 7"/>
           <p:cNvPicPr>
             <a:picLocks noChangeAspect="1"/>
             <a:extLst>
               <a:ext uri="smNativeData">
-                <pr:smNativeData xmlns:pr="smNativeData" xmlns="smNativeData" val="SMDATA_17_JtjWYhMAAAAlAAAAEQAAAC0AAAAAkAAAAEgAAACQAAAASAAAAAAAAAAAAAAAAAAAAAEAAABQAAAAAAAAAAAA4D8AAAAAAADgPwAAAAAAAOA/AAAAAAAA4D8AAAAAAADgPwAAAAAAAOA/AAAAAAAA4D8AAAAAAADgPwAAAAAAAOA/AAAAAAAA4D8CAAAAjAAAAAAAAAAAAAAAT4G9DP///wgAAAAAAAAAAAAAAAAAAAAAAAAAAAAAAAAAAAAAZAAAAAEAAABAAAAAAAAAAAAAAAAAAAAAAAAAAAAAAAAAAAAAAAAAAAAAAAAAAAAAAAAAAAAAAAAAAAAAAAAAAAAAAAAAAAAAAAAAAAAAAAAAAAAAAAAAAAAAAAAAAAAAFAAAADwAAAAAAAAAAAAAAAAAAAkUAAAAAQAAABQAAAAUAAAAFAAAAAEAAAAAAAAAZAAAAGQAAAAAAAAAZAAAAGQAAAAVAAAAYAAAAAAAAAAAAAAADwAAACADAAAAAAAAAAAAAAEAAACgMgAAVgcAAKr4//8BAAAAf39/AAEAAABkAAAAAAAAABQAAABAHwAAAAAAACYAAAAAAAAAwOD//wAAAAAmAAAAZAAAABYAAABMAAAAAAAAAAAAAAAEAAAAAAAAAAEAAADu7OEKAAAAACgAAAAoAAAAZAAAAGQAAAAAAAAAzMzMAAAAAABQAAAAUAAAAGQAAABkAAAAAAAAAAcAAAA4AAAAAAAAAAAAAAAAAAAA////AAAAAAAAAAAAAAAAAAAAAAAAAAAAAAAAAAAAAABkAAAAZAAAAAAAAAAjAAAABAAAAGQAAAAXAAAAFAAAAAAAAAAAAAAA/38AAP9/AAAAAAAACQAAAAQAAAAAAAAAHgAAAGgAAAAAAAAAAAAAAAAAAAAAAAAAAAAAABAnAAAQJwAAAAAAAAAAAAAAAAAAAAAAAAAAAAAAAAAAAAAAAAAAAAAUAAAAAAAAAMDA/wAAAAAAZAAAADIAAAAAAAAAZAAAAAAAAAB/f38ACgAAACIAAAAYAAAAAAAAAAAAAAAAAAAAAAAAAAAAAAAAAAAAJAAAACQAAAAAAAAABwAAAAAAAAAAAAAAAAAAAAAAAAAAAAAAAAAAAH9/fwAlAAAAWAAAAAAAAAAAAAAAAAAAAAAAAAAAAAAAAAAAAAAAAAAAAAAAAAAAAAAAAAAAAAAAPwAAAAAAAACghgEAAAAAAAAAAAAAAAAADAAAAAEAAAAAAAAAAAAAAAAAAAAfAAAAVAAAAE+BvQX///8BAAAAAAAAAAAAAAAAAAAAAAAAAAAAAAAAAAAAAAAAAAAAAAACf39/AO7s4QPMzMwAwMD/AH9/fwAAAAAAAAAAAAAAAAD///8AAAAAACEAAAAYAAAAFAAAAAAAAABrBwAAZhkAAIcoAAAQAAAAJgAAAAgAAAD//////////w=="/>
+                <pr:smNativeData xmlns:pr="smNativeData" xmlns="smNativeData" val="SMDATA_17_iunWYhMAAAAlAAAAEQAAAC0AAAAAkAAAAEgAAACQAAAASAAAAAAAAAAAAAAAAAAAAAEAAABQAAAAAAAAAAAA4D8AAAAAAADgPwAAAAAAAOA/AAAAAAAA4D8AAAAAAADgPwAAAAAAAOA/AAAAAAAA4D8AAAAAAADgPwAAAAAAAOA/AAAAAAAA4D8CAAAAjAAAAAAAAAAAAAAAT4G9DP///wgAAAAAAAAAAAAAAAAAAAAAAAAAAAAAAAAAAAAAZAAAAAEAAABAAAAAAAAAAAAAAAAAAAAAAAAAAAAAAAAAAAAAAAAAAAAAAAAAAAAAAAAAAAAAAAAAAAAAAAAAAAAAAAAAAAAAAAAAAAAAAAAAAAAAAAAAAAAAAAAAAAAAFAAAADwAAAAAAAAAAAAAAAAAAAkUAAAAAQAAABQAAAAUAAAAFAAAAAEAAAAAAAAAZAAAAGQAAAAAAAAAZAAAAGQAAAAVAAAAYAAAAAAAAAAAAAAADwAAACADAAAAAAAAAAAAAAEAAACgMgAAVgcAAKr4//8BAAAAf39/AAEAAABkAAAAAAAAABQAAABAHwAAAAAAACYAAAAAAAAAwOD//wAAAAAmAAAAZAAAABYAAABMAAAAAAAAAAAAAAAEAAAAAAAAAAEAAADu7OEKAAAAACgAAAAoAAAAZAAAAGQAAAAAAAAAzMzMAAAAAABQAAAAUAAAAGQAAABkAAAAAAAAAAcAAAA4AAAAAAAAAAAAAAAAAAAA////AAAAAAAAAAAAAAAAAAAAAAAAAAAAAAAAAAAAAABkAAAAZAAAAAAAAAAjAAAABAAAAGQAAAAXAAAAFAAAAAAAAAAAAAAA/38AAP9/AAAAAAAACQAAAAQAAAAAAAAAHgAAAGgAAAAAAAAAAAAAAAAAAAAAAAAAAAAAABAnAAAQJwAAAAAAAAAAAAAAAAAAAAAAAAAAAAAAAAAAAAAAAAAAAAAUAAAAAAAAAMDA/wAAAAAAZAAAADIAAAAAAAAAZAAAAAAAAAB/f38ACgAAACIAAAAYAAAAAAAAAAAAAAAAAAAAAAAAAAAAAAAAAAAAJAAAACQAAAAAAAAABwAAAAAAAAAAAAAAAAAAAAAAAAAAAAAAAAAAAH9/fwAlAAAAWAAAAAAAAAAAAAAAAAAAAAAAAAAAAAAAAAAAAAAAAAAAAAAAAAAAAAAAAAAAAAAAPwAAAAAAAACghgEAAAAAAAAAAAAAAAAADAAAAAEAAAAAAAAAAAAAAAAAAAAfAAAAVAAAAE+BvQX///8BAAAAAAAAAAAAAAAAAAAAAAAAAAAAAAAAAAAAAAAAAAAAAAACf39/AO7s4QPMzMwAwMD/AH9/fwAAAAAAAAAAAAAAAAD///8AAAAAACEAAAAYAAAAFAAAAGYZAAAhDQAAQDgAALEiAAAQAAAAJgAAAAgAAAD//////////w=="/>
               </a:ext>
             </a:extLst>
           </p:cNvPicPr>
           <p:nvPr/>
         </p:nvPicPr>
         <p:blipFill>
-          <a:blip r:embed="rId2"/>
+          <a:blip r:embed="rId4"/>
           <a:stretch>
             <a:fillRect/>
           </a:stretch>
         </p:blipFill>
         <p:spPr>
           <a:xfrm>
-            <a:off x="0" y="1205865"/>
-            <a:ext cx="4128770" cy="5382260"/>
-          </a:xfrm>
-          <a:prstGeom prst="rect">
-            <a:avLst/>
-          </a:prstGeom>
-          <a:noFill/>
-          <a:ln>
-            <a:noFill/>
-          </a:ln>
-          <a:effectLst/>
-        </p:spPr>
-      </p:pic>
-      <p:pic>
-        <p:nvPicPr>
-          <p:cNvPr id="4" name="Image 8"/>
-          <p:cNvPicPr>
-            <a:picLocks noChangeAspect="1"/>
-            <a:extLst>
-              <a:ext uri="smNativeData">
-                <pr:smNativeData xmlns:pr="smNativeData" xmlns="smNativeData" val="SMDATA_17_JtjWYhMAAAAlAAAAEQAAAC0AAAAAkAAAAEgAAACQAAAASAAAAAAAAAAAAAAAAAAAAAEAAABQAAAAAAAAAAAA4D8AAAAAAADgPwAAAAAAAOA/AAAAAAAA4D8AAAAAAADgPwAAAAAAAOA/AAAAAAAA4D8AAAAAAADgPwAAAAAAAOA/AAAAAAAA4D8CAAAAjAAAAAAAAAAAAAAAT4G9DP///wgAAAAAAAAAAAAAAAAAAAAAAAAAAAAAAAAAAAAAZAAAAAEAAABAAAAAAAAAAAAAAAAAAAAAAAAAAAAAAAAAAAAAAAAAAAAAAAAAAAAAAAAAAAAAAAAAAAAAAAAAAAAAAAAAAAAAAAAAAAAAAAAAAAAAAAAAAAAAAAAAAAAAFAAAADwAAAAAAAAAAAAAAAAAAAkUAAAAAQAAABQAAAAUAAAAFAAAAAEAAAAAAAAAZAAAAGQAAAAAAAAAZAAAAGQAAAAVAAAAYAAAAAAAAAAAAAAADwAAACADAAAAAAAAAAAAAAEAAACgMgAAVgcAAKr4//8BAAAAf39/AAEAAABkAAAAAAAAABQAAABAHwAAAAAAACYAAAAAAAAAwOD//wAAAAAmAAAAZAAAABYAAABMAAAAAAAAAAAAAAAEAAAAAAAAAAEAAADu7OEKAAAAACgAAAAoAAAAZAAAAGQAAAAAAAAAzMzMAAAAAABQAAAAUAAAAGQAAABkAAAAAAAAAAcAAAA4AAAAAAAAAAAAAAAAAAAA////AAAAAAAAAAAAAAAAAAAAAAAAAAAAAAAAAAAAAABkAAAAZAAAAAAAAAAjAAAABAAAAGQAAAAXAAAAFAAAAAAAAAAAAAAA/38AAP9/AAAAAAAACQAAAAQAAAAAAAAAHgAAAGgAAAAAAAAAAAAAAAAAAAAAAAAAAAAAABAnAAAQJwAAAAAAAAAAAAAAAAAAAAAAAAAAAAAAAAAAAAAAAAAAAAAUAAAAAAAAAMDA/wAAAAAAZAAAADIAAAAAAAAAZAAAAAAAAAB/f38ACgAAACIAAAAYAAAAAAAAAAAAAAAAAAAAAAAAAAAAAAAAAAAAJAAAACQAAAAAAAAABwAAAAAAAAAAAAAAAAAAAAAAAAAAAAAAAAAAAH9/fwAlAAAAWAAAAAAAAAAAAAAAAAAAAAAAAAAAAAAAAAAAAAAAAAAAAAAAAAAAAAAAAAAAAAAAPwAAAAAAAACghgEAAAAAAAAAAAAAAAAADAAAAAEAAAAAAAAAAAAAAAAAAAAfAAAAVAAAAE+BvQX///8BAAAAAAAAAAAAAAAAAAAAAAAAAAAAAAAAAAAAAAAAAAAAAAACf39/AO7s4QPMzMwAwMD/AH9/fwAAAAAAAAAAAAAAAAD///8AAAAAACEAAAAYAAAAFAAAAGYZAAC8DQAAQDgAAKAjAAAQAAAAJgAAAAgAAAD//////////w=="/>
-              </a:ext>
-            </a:extLst>
-          </p:cNvPicPr>
-          <p:nvPr/>
-        </p:nvPicPr>
-        <p:blipFill>
-          <a:blip r:embed="rId3"/>
-          <a:stretch>
-            <a:fillRect/>
-          </a:stretch>
-        </p:blipFill>
-        <p:spPr>
-          <a:xfrm>
-            <a:off x="4128770" y="2232660"/>
-            <a:ext cx="5015230" cy="3558540"/>
+            <a:off x="4128770" y="2134235"/>
+            <a:ext cx="5015230" cy="3505200"/>
           </a:xfrm>
           <a:prstGeom prst="rect">
             <a:avLst/>
@@ -14913,13 +14970,151 @@
           <a:chExt cx="0" cy="0"/>
         </a:xfrm>
       </p:grpSpPr>
+      <p:sp>
+        <p:nvSpPr>
+          <p:cNvPr id="2" name="Titre 1"/>
+          <p:cNvSpPr>
+            <a:spLocks noGrp="1" noChangeArrowheads="1"/>
+            <a:extLst>
+              <a:ext uri="smNativeData">
+                <pr:smNativeData xmlns:pr="smNativeData" xmlns="smNativeData" val="SMDATA_15_iunWYhMAAAAlAAAAZAAAAA0AAAAAkAAAAEgAAACQAAAASAAAAAAAAAABAAAAAAAAAAEAAABQAAAAAAAAAAAA4D8AAAAAAADgPwAAAAAAAOA/AAAAAAAA4D8AAAAAAADgPwAAAAAAAOA/AAAAAAAA4D8AAAAAAADgPwAAAAAAAOA/AAAAAAAA4D8CAAAAjAAAAAAAAAAAAAAAT4G9DP///wgAAAAAAAAAAAAAAAAAAAAAAAAAAAAAAAAAAAAAZAAAAAEAAABAAAAAAAAAAAAAAAAAAAAAAAAAAAAAAAAAAAAAAAAAAAAAAAAAAAAAAAAAAAAAAAAAAAAAAAAAAAAAAAAAAAAAAAAAAAAAAAAAAAAAAAAAAAAAAAAAAAAAFAAAADwAAAAAAAAAAAAAAAAAAAkUAAAAAQAAABQAAAAUAAAAFAAAAAEAAAAAAAAAZAAAAGQAAAAAAAAAZAAAAGQAAAAVAAAAYAAAAAAAAAAAAAAADwAAACADAAAAAAAAAAAAAAEAAACgMgAAVgcAAKr4//8BAAAAf39/AAEAAABkAAAAAAAAABQAAABAHwAAAAAAACYAAAAAAAAAwOD//wAAAAAmAAAAZAAAABYAAABMAAAAAAAAAAAAAAAEAAAAAAAAAAEAAADu7OEKAAAAACgAAAAoAAAAZAAAAGQAAAAAAAAAzMzMAAAAAABQAAAAUAAAAGQAAABkAAAAAAAAABcAAAAUAAAAAAAAAAAAAAD/fwAA/38AAAAAAAAJAAAABAAAAAehCPgeAAAAaAAAAAAAAAAAAAAAAAAAAAAAAAAAAAAAECcAABAnAAAAAAAAAAAAAAAAAAAAAAAAAAAAAAAAAAAAAAAAAAAAABQAAAAAAAAAwMD/AAAAAABkAAAAMgAAAAAAAABkAAAAAAAAAH9/fwAKAAAAIgAAABgAAAAAAAAAAAAAAAAAAAAAAAAAAAAAAAAAAAAkAAAAJAAAAAAAAAAHAAAAAAAAAAAAAAAAAAAAAAAAAAAAAAAAAAAAf39/ACUAAABYAAAAAAAAAAAAAAAAAAAAAAAAAAAAAAAAAAAAAAAAAAAAAAAAAAAAAAAAAAAAAAA/AAAAAAAAAKCGAQAAAAAAAAAAAAAAAAAMAAAAAQAAAAAAAAAAAAAAAAAAAB8AAABUAAAAT4G9Bf///wEAAAAAAAAAAAAAAAAAAAAAAAAAAAAAAAAAAAAAAAAAAAAAAAJ/f38A7uzhA8zMzADAwP8Af39/AAAAAAAAAAAAAAAAAAAAAAAAAAAAIQAAABgAAAAUAAAA0AIAADf///9wNQAAPwYAABAAAAAmAAAACAAAAAEgAAAAAAAA"/>
+              </a:ext>
+            </a:extLst>
+          </p:cNvSpPr>
+          <p:nvPr>
+            <p:ph type="title"/>
+          </p:nvPr>
+        </p:nvSpPr>
+        <p:spPr>
+          <a:xfrm>
+            <a:off x="457200" y="-127635"/>
+            <a:ext cx="8229600" cy="1143000"/>
+          </a:xfrm>
+        </p:spPr>
+        <p:txBody>
+          <a:bodyPr vert="horz" wrap="square" lIns="91440" tIns="45720" rIns="91440" bIns="45720" numCol="1" spcCol="215900" anchor="ctr">
+            <a:prstTxWarp prst="textNoShape">
+              <a:avLst/>
+            </a:prstTxWarp>
+          </a:bodyPr>
+          <a:lstStyle/>
+          <a:p>
+            <a:pPr>
+              <a:defRPr lang="fr-fr"/>
+            </a:pPr>
+            <a:r>
+              <a:t>Comparison with Stan</a:t>
+            </a:r>
+          </a:p>
+        </p:txBody>
+      </p:sp>
+      <p:pic>
+        <p:nvPicPr>
+          <p:cNvPr id="3" name="Image 6"/>
+          <p:cNvPicPr>
+            <a:picLocks noChangeAspect="1"/>
+            <a:extLst>
+              <a:ext uri="smNativeData">
+                <pr:smNativeData xmlns:pr="smNativeData" xmlns="smNativeData" val="SMDATA_17_iunWYhMAAAAlAAAAEQAAAC0AAAAAkAAAAEgAAACQAAAASAAAAAAAAAAAAAAAAAAAAAEAAABQAAAAAAAAAAAA4D8AAAAAAADgPwAAAAAAAOA/AAAAAAAA4D8AAAAAAADgPwAAAAAAAOA/AAAAAAAA4D8AAAAAAADgPwAAAAAAAOA/AAAAAAAA4D8CAAAAjAAAAAAAAAAAAAAAT4G9DP///wgAAAAAAAAAAAAAAAAAAAAAAAAAAAAAAAAAAAAAZAAAAAEAAABAAAAAAAAAAAAAAAAAAAAAAAAAAAAAAAAAAAAAAAAAAAAAAAAAAAAAAAAAAAAAAAAAAAAAAAAAAAAAAAAAAAAAAAAAAAAAAAAAAAAAAAAAAAAAAAAAAAAAFAAAADwAAAAAAAAAAAAAAAAAAAkUAAAAAQAAABQAAAAUAAAAFAAAAAEAAAAAAAAAZAAAAGQAAAAAAAAAZAAAAGQAAAAVAAAAYAAAAAAAAAAAAAAADwAAACADAAAAAAAAAAAAAAEAAACgMgAAVgcAAKr4//8BAAAAf39/AAEAAABkAAAAAAAAABQAAABAHwAAAAAAACYAAAAAAAAAwOD//wAAAAAmAAAAZAAAABYAAABMAAAAAAAAAAAAAAAEAAAAAAAAAAEAAADu7OEKAAAAACgAAAAoAAAAZAAAAGQAAAAAAAAAzMzMAAAAAABQAAAAUAAAAGQAAABkAAAAAAAAAAcAAAA4AAAAAAAAAAAAAAAAAAAA////AAAAAAAAAAAAAAAAAAAAAAAAAAAAAAAAAAAAAABkAAAAZAAAAAAAAAAjAAAABAAAAGQAAAAXAAAAFAAAAAAAAAAAAAAA/38AAP9/AAAAAAAACQAAAAQAAAAAAAAAHgAAAGgAAAAAAAAAAAAAAAAAAAAAAAAAAAAAABAnAAAQJwAAAAAAAAAAAAAAAAAAAAAAAAAAAAAAAAAAAAAAAAAAAAAUAAAAAAAAAMDA/wAAAAAAZAAAADIAAAAAAAAAZAAAAAAAAAB/f38ACgAAACIAAAAYAAAAAAAAAAAAAAAAAAAAAAAAAAAAAAAAAAAAJAAAACQAAAAAAAAABwAAAAAAAAAAAAAAAAAAAAAAAAAAAAAAAAAAAH9/fwAlAAAAWAAAAAAAAAAAAAAAAAAAAAAAAAAAAAAAAAAAAAAAAAAAAAAAAAAAAAAAAAAAAAAAPwAAAAAAAACghgEAAAAAAAAAAAAAAAAADAAAAAEAAAAAAAAAAAAAAAAAAAAfAAAAVAAAAE+BvQX///8BAAAAAAAAAAAAAAAAAAAAAAAAAAAAAAAAAAAAAAAAAAAAAAACf39/AO7s4QPMzMwAwMD/AH9/fwAAAAAAAAAAAAAAAAD///8AAAAAACEAAAAYAAAAFAAAAAAAAABrBwAAZhkAAIcoAAAQAAAAJgAAAAgAAAD//////////w=="/>
+              </a:ext>
+            </a:extLst>
+          </p:cNvPicPr>
+          <p:nvPr/>
+        </p:nvPicPr>
+        <p:blipFill>
+          <a:blip r:embed="rId2"/>
+          <a:stretch>
+            <a:fillRect/>
+          </a:stretch>
+        </p:blipFill>
+        <p:spPr>
+          <a:xfrm>
+            <a:off x="0" y="1205865"/>
+            <a:ext cx="4128770" cy="5382260"/>
+          </a:xfrm>
+          <a:prstGeom prst="rect">
+            <a:avLst/>
+          </a:prstGeom>
+          <a:noFill/>
+          <a:ln>
+            <a:noFill/>
+          </a:ln>
+          <a:effectLst/>
+        </p:spPr>
+      </p:pic>
+      <p:pic>
+        <p:nvPicPr>
+          <p:cNvPr id="4" name="Image 8"/>
+          <p:cNvPicPr>
+            <a:picLocks noChangeAspect="1"/>
+            <a:extLst>
+              <a:ext uri="smNativeData">
+                <pr:smNativeData xmlns:pr="smNativeData" xmlns="smNativeData" val="SMDATA_17_iunWYhMAAAAlAAAAEQAAAC0AAAAAkAAAAEgAAACQAAAASAAAAAAAAAAAAAAAAAAAAAEAAABQAAAAAAAAAAAA4D8AAAAAAADgPwAAAAAAAOA/AAAAAAAA4D8AAAAAAADgPwAAAAAAAOA/AAAAAAAA4D8AAAAAAADgPwAAAAAAAOA/AAAAAAAA4D8CAAAAjAAAAAAAAAAAAAAAT4G9DP///wgAAAAAAAAAAAAAAAAAAAAAAAAAAAAAAAAAAAAAZAAAAAEAAABAAAAAAAAAAAAAAAAAAAAAAAAAAAAAAAAAAAAAAAAAAAAAAAAAAAAAAAAAAAAAAAAAAAAAAAAAAAAAAAAAAAAAAAAAAAAAAAAAAAAAAAAAAAAAAAAAAAAAFAAAADwAAAAAAAAAAAAAAAAAAAkUAAAAAQAAABQAAAAUAAAAFAAAAAEAAAAAAAAAZAAAAGQAAAAAAAAAZAAAAGQAAAAVAAAAYAAAAAAAAAAAAAAADwAAACADAAAAAAAAAAAAAAEAAACgMgAAVgcAAKr4//8BAAAAf39/AAEAAABkAAAAAAAAABQAAABAHwAAAAAAACYAAAAAAAAAwOD//wAAAAAmAAAAZAAAABYAAABMAAAAAAAAAAAAAAAEAAAAAAAAAAEAAADu7OEKAAAAACgAAAAoAAAAZAAAAGQAAAAAAAAAzMzMAAAAAABQAAAAUAAAAGQAAABkAAAAAAAAAAcAAAA4AAAAAAAAAAAAAAAAAAAA////AAAAAAAAAAAAAAAAAAAAAAAAAAAAAAAAAAAAAABkAAAAZAAAAAAAAAAjAAAABAAAAGQAAAAXAAAAFAAAAAAAAAAAAAAA/38AAP9/AAAAAAAACQAAAAQAAAAAAAAAHgAAAGgAAAAAAAAAAAAAAAAAAAAAAAAAAAAAABAnAAAQJwAAAAAAAAAAAAAAAAAAAAAAAAAAAAAAAAAAAAAAAAAAAAAUAAAAAAAAAMDA/wAAAAAAZAAAADIAAAAAAAAAZAAAAAAAAAB/f38ACgAAACIAAAAYAAAAAAAAAAAAAAAAAAAAAAAAAAAAAAAAAAAAJAAAACQAAAAAAAAABwAAAAAAAAAAAAAAAAAAAAAAAAAAAAAAAAAAAH9/fwAlAAAAWAAAAAAAAAAAAAAAAAAAAAAAAAAAAAAAAAAAAAAAAAAAAAAAAAAAAAAAAAAAAAAAPwAAAAAAAACghgEAAAAAAAAAAAAAAAAADAAAAAEAAAAAAAAAAAAAAAAAAAAfAAAAVAAAAE+BvQX///8BAAAAAAAAAAAAAAAAAAAAAAAAAAAAAAAAAAAAAAAAAAAAAAACf39/AO7s4QPMzMwAwMD/AH9/fwAAAAAAAAAAAAAAAAD///8AAAAAACEAAAAYAAAAFAAAAGYZAAC8DQAAQDgAAKAjAAAQAAAAJgAAAAgAAAD//////////w=="/>
+              </a:ext>
+            </a:extLst>
+          </p:cNvPicPr>
+          <p:nvPr/>
+        </p:nvPicPr>
+        <p:blipFill>
+          <a:blip r:embed="rId3"/>
+          <a:stretch>
+            <a:fillRect/>
+          </a:stretch>
+        </p:blipFill>
+        <p:spPr>
+          <a:xfrm>
+            <a:off x="4128770" y="2232660"/>
+            <a:ext cx="5015230" cy="3558540"/>
+          </a:xfrm>
+          <a:prstGeom prst="rect">
+            <a:avLst/>
+          </a:prstGeom>
+          <a:noFill/>
+          <a:ln>
+            <a:noFill/>
+          </a:ln>
+          <a:effectLst/>
+        </p:spPr>
+      </p:pic>
+    </p:spTree>
+  </p:cSld>
+  <p:clrMapOvr>
+    <a:masterClrMapping/>
+  </p:clrMapOvr>
+  <p:timing>
+    <p:tnLst>
+      <p:par>
+        <p:cTn id="1" dur="indefinite" restart="never" nodeType="tmRoot"/>
+      </p:par>
+    </p:tnLst>
+  </p:timing>
+</p:sld>
+</file>
+
+<file path=ppt/slides/slide45.xml><?xml version="1.0" encoding="utf-8"?>
+<p:sld xmlns:p="http://schemas.openxmlformats.org/presentationml/2006/main" xmlns:mc="http://schemas.openxmlformats.org/markup-compatibility/2006" xmlns:p14="http://schemas.microsoft.com/office/powerpoint/2010/main" xmlns:p15="http://schemas.microsoft.com/office/powerpoint/2012/main" xmlns:r="http://schemas.openxmlformats.org/officeDocument/2006/relationships" xmlns:a="http://schemas.openxmlformats.org/drawingml/2006/main" mc:Ignorable="p14" show="0">
+  <p:cSld>
+    <p:spTree>
+      <p:nvGrpSpPr>
+        <p:cNvPr id="1" name=""/>
+        <p:cNvGrpSpPr/>
+        <p:nvPr/>
+      </p:nvGrpSpPr>
+      <p:grpSpPr>
+        <a:xfrm>
+          <a:off x="0" y="0"/>
+          <a:ext cx="0" cy="0"/>
+          <a:chOff x="0" y="0"/>
+          <a:chExt cx="0" cy="0"/>
+        </a:xfrm>
+      </p:grpSpPr>
       <p:grpSp>
         <p:nvGrpSpPr>
           <p:cNvPr id="2" name="Grouper 16"/>
           <p:cNvGrpSpPr>
             <a:extLst>
               <a:ext uri="smNativeData">
-                <pr:smNativeData xmlns:pr="smNativeData" xmlns="smNativeData" val="SMDATA_6_JtjWYhMAAAAlAAAAAQAAAA8BAAAAkAAAAEgAAACQAAAASAAAAAAAAAAAAAAAAAAAABcAAAAUAAAAAAAAAAAAAAD/fwAA/38AAAAAAAAJAAAABAAAAJcCAAAfAAAAVAAAAAAAAAAAAAAAAAAAAAAAAAAAAAAAAAAAAAAAAAAAAAAAAAAAAAAAAAAAAAAAAAAAAAAAAAAAAAAAAAAAAAAAAAAAAAAAAAAAAAAAAAAAAAAAAAAAACEAAAAYAAAAFAAAAAAAAAAQDgAAAhYAACcdAAAQAAAAJgAAAAgAAAD/////AAAAAA=="/>
+                <pr:smNativeData xmlns:pr="smNativeData" xmlns="smNativeData" val="SMDATA_6_iunWYhMAAAAlAAAAAQAAAA8BAAAAkAAAAEgAAACQAAAASAAAAAAAAAAAAAAAAAAAABcAAAAUAAAAAAAAAAAAAAD/fwAA/38AAAAAAAAJAAAABAAAAJcCAAAfAAAAVAAAAAAAAAAAAAAAAAAAAAAAAAAAAAAAAAAAAAAAAAAAAAAAAAAAAAAAAAAAAAAAAAAAAAAAAAAAAAAAAAAAAAAAAAAAAAAAAAAAAAAAAAAAAAAAAAAAACEAAAAYAAAAFAAAAAAAAAAQDgAAAhYAACcdAAAQAAAAJgAAAAgAAAD/////AAAAAA=="/>
               </a:ext>
             </a:extLst>
           </p:cNvGrpSpPr>
@@ -14940,7 +15135,7 @@
               <a:picLocks noChangeAspect="1"/>
               <a:extLst>
                 <a:ext uri="smNativeData">
-                  <pr:smNativeData xmlns:pr="smNativeData" xmlns="smNativeData" val="SMDATA_17_JtjWYhMAAAAlAAAAEQAAAC0AAAAAkAAAAEgAAACQAAAASAAAAAAAAAAAAAAAAAAAAAEAAABQAAAAAAAAAAAA4D8AAAAAAADgPwAAAAAAAOA/AAAAAAAA4D8AAAAAAADgPwAAAAAAAOA/AAAAAAAA4D8AAAAAAADgPwAAAAAAAOA/AAAAAAAA4D8CAAAAjAAAAAAAAAAAAAAAT4G9DP///wgAAAAAAAAAAAAAAAAAAAAAAAAAAAAAAAAAAAAAZAAAAAEAAABAAAAAAAAAAAAAAAAAAAAAAAAAAAAAAAAAAAAAAAAAAAAAAAAAAAAAAAAAAAAAAAAAAAAAAAAAAAAAAAAAAAAAAAAAAAAAAAAAAAAAAAAAAAAAAAAAAAAAFAAAADwAAAAAAAAAAAAAAAAAAAkUAAAAAQAAABQAAAAUAAAAFAAAAAEAAAAAAAAAZAAAAGQAAAAAAAAAZAAAAGQAAAAVAAAAYAAAAAAAAAAAAAAADwAAACADAAAAAAAAAAAAAAEAAACgMgAAVgcAAKr4//8BAAAAf39/AAEAAABkAAAAAAAAABQAAABAHwAAAAAAACYAAAAAAAAAwOD//wAAAAAmAAAAZAAAABYAAABMAAAAAAAAAAAAAAAEAAAAAAAAAAEAAADu7OEKAAAAACgAAAAoAAAAZAAAAGQAAAAAAAAAzMzMAAAAAABQAAAAUAAAAGQAAABkAAAAAAAAAAcAAAA4AAAAAAAAAAAAAAAAAAAA////AAAAAAAAAAAAAAAAAAAAAAAAAAAAAAAAAAAAAABkAAAAZAAAAAAAAAAjAAAABAAAAGQAAAAXAAAAFAAAAAAAAAAAAAAA/38AAP9/AAAAAAAACQAAAAQAAAAAAAAAHgAAAGgAAAAAAAAAAAAAAAAAAAAAAAAAAAAAABAnAAAQJwAAAAAAAAAAAAAAAAAAAAAAAAAAAAAAAAAAAAAAAAAAAAAUAAAAAAAAAMDA/wAAAAAAZAAAADIAAAAAAAAAZAAAAAAAAAB/f38ACgAAACIAAAAYAAAAAAAAAAAAAAAAAAAAAAAAAAAAAAAAAAAAJAAAACQAAAAAAAAABwAAAAAAAAAAAAAAAAAAAAAAAAAAAAAAAAAAAH9/fwAlAAAAWAAAAAAAAAAAAAAAAAAAAAAAAAAAAAAAAAAAAAAAAAAAAAAAAAAAAAAAAAAAAAAAPwAAAAAAAACghgEAAAAAAAAAAAAAAAAADAAAAAEAAAAAAAAAAAAAAAAAAAAfAAAAVAAAAE+BvQX///8BAAAAAAAAAAAAAAAAAAAAAAAAAAAAAAAAAAAAAAAAAAAAAAACf39/AO7s4QPMzMwAwMD/AH9/fwAAAAAAAAAAAAAAAAD///8AAAAAACEAAAAYAAAAFAAAAAAAAAAQDgAAAhYAACcdAAAAAAAAJgAAAAgAAAD//////////w=="/>
+                  <pr:smNativeData xmlns:pr="smNativeData" xmlns="smNativeData" val="SMDATA_17_iunWYhMAAAAlAAAAEQAAAC0AAAAAkAAAAEgAAACQAAAASAAAAAAAAAAAAAAAAAAAAAEAAABQAAAAAAAAAAAA4D8AAAAAAADgPwAAAAAAAOA/AAAAAAAA4D8AAAAAAADgPwAAAAAAAOA/AAAAAAAA4D8AAAAAAADgPwAAAAAAAOA/AAAAAAAA4D8CAAAAjAAAAAAAAAAAAAAAT4G9DP///wgAAAAAAAAAAAAAAAAAAAAAAAAAAAAAAAAAAAAAZAAAAAEAAABAAAAAAAAAAAAAAAAAAAAAAAAAAAAAAAAAAAAAAAAAAAAAAAAAAAAAAAAAAAAAAAAAAAAAAAAAAAAAAAAAAAAAAAAAAAAAAAAAAAAAAAAAAAAAAAAAAAAAFAAAADwAAAAAAAAAAAAAAAAAAAkUAAAAAQAAABQAAAAUAAAAFAAAAAEAAAAAAAAAZAAAAGQAAAAAAAAAZAAAAGQAAAAVAAAAYAAAAAAAAAAAAAAADwAAACADAAAAAAAAAAAAAAEAAACgMgAAVgcAAKr4//8BAAAAf39/AAEAAABkAAAAAAAAABQAAABAHwAAAAAAACYAAAAAAAAAwOD//wAAAAAmAAAAZAAAABYAAABMAAAAAAAAAAAAAAAEAAAAAAAAAAEAAADu7OEKAAAAACgAAAAoAAAAZAAAAGQAAAAAAAAAzMzMAAAAAABQAAAAUAAAAGQAAABkAAAAAAAAAAcAAAA4AAAAAAAAAAAAAAAAAAAA////AAAAAAAAAAAAAAAAAAAAAAAAAAAAAAAAAAAAAABkAAAAZAAAAAAAAAAjAAAABAAAAGQAAAAXAAAAFAAAAAAAAAAAAAAA/38AAP9/AAAAAAAACQAAAAQAAAAAAAAAHgAAAGgAAAAAAAAAAAAAAAAAAAAAAAAAAAAAABAnAAAQJwAAAAAAAAAAAAAAAAAAAAAAAAAAAAAAAAAAAAAAAAAAAAAUAAAAAAAAAMDA/wAAAAAAZAAAADIAAAAAAAAAZAAAAAAAAAB/f38ACgAAACIAAAAYAAAAAAAAAAAAAAAAAAAAAAAAAAAAAAAAAAAAJAAAACQAAAAAAAAABwAAAAAAAAAAAAAAAAAAAAAAAAAAAAAAAAAAAH9/fwAlAAAAWAAAAAAAAAAAAAAAAAAAAAAAAAAAAAAAAAAAAAAAAAAAAAAAAAAAAAAAAAAAAAAAPwAAAAAAAACghgEAAAAAAAAAAAAAAAAADAAAAAEAAAAAAAAAAAAAAAAAAAAfAAAAVAAAAE+BvQX///8BAAAAAAAAAAAAAAAAAAAAAAAAAAAAAAAAAAAAAAAAAAAAAAACf39/AO7s4QPMzMwAwMD/AH9/fwAAAAAAAAAAAAAAAAD///8AAAAAACEAAAAYAAAAFAAAAAAAAAAQDgAAAhYAACcdAAAAAAAAJgAAAAgAAAD//////////w=="/>
                 </a:ext>
               </a:extLst>
             </p:cNvPicPr>
@@ -14973,7 +15168,7 @@
             <p:cNvSpPr>
               <a:extLst>
                 <a:ext uri="smNativeData">
-                  <pr:smNativeData xmlns:pr="smNativeData" xmlns="smNativeData" val="SMDATA_15_JtjWYhMAAAAlAAAAZAAAAE0AAAAAkAAAAEgAAACQAAAASAAAAAAAAAAAAAAAAAAAAAEAAABQAAAAAAAAAAAA4D8AAAAAAADgPwAAAAAAAOA/AAAAAAAA4D8AAAAAAADgPwAAAAAAAOA/AAAAAAAA4D8AAAAAAADgPwAAAAAAAOA/AAAAAAAA4D8CAAAAjAAAAAAAAAAAAAAAT4G9DP///wgAAAAAAAAAAAAAAAAAAAAAAAAAAAAAAAAAAAAAZAAAAAEAAABAAAAAAAAAAAAAAAAAAAAAAAAAAAAAAAAAAAAAAAAAAAAAAAAAAAAAAAAAAAAAAAAAAAAAAAAAAAAAAAAAAAAAAAAAAAAAAAAAAAAAAAAAAAAAAAAAAAAAFAAAADwAAAAAAAAAAAAAAAAAAAAPAAAAAQAAACMAAAAjAAAAIwAAAB4AAAAAAAAAZAAAAGQAAAAAAAAAZAAAAGQAAAAVAAAAYAAAAAAAAAAAAAAADwAAACADAAAAAAAAAAAAAAEAAACgMgAAVgcAAKr4//8BAAAAf39/AAEAAABkAAAAAAAAABQAAABAHwAAAAAAACYAAAAAAAAAwOD//wAAAAAmAAAAZAAAABYAAABMAAAAAAAAAAAAAAAEAAAAAAAAAAEAAADu7OEKAAAAACgAAAAoAAAAZAAAAGQAAAAAAAAAzMzMAAAAAABQAAAAUAAAAGQAAABkAAAAAAAAABcAAAAUAAAAAAAAAAAAAAD/fwAA/38AAAAAAAAJAAAABAAAAAAAAAAeAAAAaAAAAAAAAAAAAAAAAAAAAAAAAAAAAAAAECcAABAnAAAAAAAAAAAAAAAAAAAAAAAAAAAAAAAAAAAAAAAAAAAAABQAAAAAAAAAwMD/AAAAAABkAAAAMgAAAAAAAABkAAAAAAAAAH9/fwAKAAAAIgAAABgAAAAAAAAAAAAAAAAAAAAAAAAAAAAAAAAAAAAkAAAAJAAAAAAAAAAHAAAAAAAAAAAAAAAAAAAAAAAAAAAAAAAAAAAAf39/ACUAAABYAAAAAAAAAAAAAAAAAAAAAAAAAAAAAAAAAAAAAAAAAAAAAAAAAAAAAAAAAAAAAAA/AAAAAAAAAKCGAQAAAAAAAAAAAAAAAAAMAAAAAQAAAAAAAAAAAAAAAAAAAB8AAABUAAAAT4G9Bf///wEAAAAAAAAAAAAAAAAAAAAAAAAAAAAAAAAAAAAAAAAAAAAAAAB/f38A7uzhA8zMzADAwP8Af39/AAAAAAAAAAAAAAAAAAAAAAAAAAAAIQAAABgAAAAUAAAAhwYAAFwXAADOFQAAohkAAAAgAAAmAAAACAAAAP//////////"/>
+                  <pr:smNativeData xmlns:pr="smNativeData" xmlns="smNativeData" val="SMDATA_15_iunWYhMAAAAlAAAAZAAAAE0AAAAAkAAAAEgAAACQAAAASAAAAAAAAAAAAAAAAAAAAAEAAABQAAAAAAAAAAAA4D8AAAAAAADgPwAAAAAAAOA/AAAAAAAA4D8AAAAAAADgPwAAAAAAAOA/AAAAAAAA4D8AAAAAAADgPwAAAAAAAOA/AAAAAAAA4D8CAAAAjAAAAAAAAAAAAAAAT4G9DP///wgAAAAAAAAAAAAAAAAAAAAAAAAAAAAAAAAAAAAAZAAAAAEAAABAAAAAAAAAAAAAAAAAAAAAAAAAAAAAAAAAAAAAAAAAAAAAAAAAAAAAAAAAAAAAAAAAAAAAAAAAAAAAAAAAAAAAAAAAAAAAAAAAAAAAAAAAAAAAAAAAAAAAFAAAADwAAAAAAAAAAAAAAAAAAAAPAAAAAQAAACMAAAAjAAAAIwAAAB4AAAAAAAAAZAAAAGQAAAAAAAAAZAAAAGQAAAAVAAAAYAAAAAAAAAAAAAAADwAAACADAAAAAAAAAAAAAAEAAACgMgAAVgcAAKr4//8BAAAAf39/AAEAAABkAAAAAAAAABQAAABAHwAAAAAAACYAAAAAAAAAwOD//wAAAAAmAAAAZAAAABYAAABMAAAAAAAAAAAAAAAEAAAAAAAAAAEAAADu7OEKAAAAACgAAAAoAAAAZAAAAGQAAAAAAAAAzMzMAAAAAABQAAAAUAAAAGQAAABkAAAAAAAAABcAAAAUAAAAAAAAAAAAAAD/fwAA/38AAAAAAAAJAAAABAAAAAAAAAAeAAAAaAAAAAAAAAAAAAAAAAAAAAAAAAAAAAAAECcAABAnAAAAAAAAAAAAAAAAAAAAAAAAAAAAAAAAAAAAAAAAAAAAABQAAAAAAAAAwMD/AAAAAABkAAAAMgAAAAAAAABkAAAAAAAAAH9/fwAKAAAAIgAAABgAAAAAAAAAAAAAAAAAAAAAAAAAAAAAAAAAAAAkAAAAJAAAAAAAAAAHAAAAAAAAAAAAAAAAAAAAAAAAAAAAAAAAAAAAf39/ACUAAABYAAAAAAAAAAAAAAAAAAAAAAAAAAAAAAAAAAAAAAAAAAAAAAAAAAAAAAAAAAAAAAA/AAAAAAAAAKCGAQAAAAAAAAAAAAAAAAAMAAAAAQAAAAAAAAAAAAAAAAAAAB8AAABUAAAAT4G9Bf///wEAAAAAAAAAAAAAAAAAAAAAAAAAAAAAAAAAAAAAAAAAAAAAAAB/f38A7uzhA8zMzADAwP8Af39/AAAAAAAAAAAAAAAAAAAAAAAAAAAAIQAAABgAAAAUAAAAhwYAAFwXAADOFQAAohkAAAAgAAAmAAAACAAAAP//////////"/>
                 </a:ext>
               </a:extLst>
             </p:cNvSpPr>
@@ -15013,7 +15208,7 @@
           <p:cNvGrpSpPr>
             <a:extLst>
               <a:ext uri="smNativeData">
-                <pr:smNativeData xmlns:pr="smNativeData" xmlns="smNativeData" val="SMDATA_6_JtjWYhMAAAAlAAAAAQAAAA8BAAAAkAAAAEgAAACQAAAASAAAAAAAAAAAAAAAAAAAABcAAAAUAAAAAAAAAAAAAAD/fwAA/38AAAAAAAAJAAAABAAAAAAAAAAfAAAAVAAAAAAAAAAAAAAAAAAAAAAAAAAAAAAAAAAAAAAAAAAAAAAAAAAAAAAAAAAAAAAAAAAAAAAAAAAAAAAAAAAAAAAAAAAAAAAAAAAAAAAAAAAAAAAAAAAAACEAAAAYAAAAFAAAAPwcAABIDgAA/jIAAKMcAAAQAAAAJgAAAAgAAAD/////AAAAAA=="/>
+                <pr:smNativeData xmlns:pr="smNativeData" xmlns="smNativeData" val="SMDATA_6_iunWYhMAAAAlAAAAAQAAAA8BAAAAkAAAAEgAAACQAAAASAAAAAAAAAAAAAAAAAAAABcAAAAUAAAAAAAAAAAAAAD/fwAA/38AAAAAAAAJAAAABAAAAAAAAAAfAAAAVAAAAAAAAAAAAAAAAAAAAAAAAAAAAAAAAAAAAAAAAAAAAAAAAAAAAAAAAAAAAAAAAAAAAAAAAAAAAAAAAAAAAAAAAAAAAAAAAAAAAAAAAAAAAAAAAAAAACEAAAAYAAAAFAAAAPwcAABIDgAA/jIAAKMcAAAQAAAAJgAAAAgAAAD/////AAAAAA=="/>
               </a:ext>
             </a:extLst>
           </p:cNvGrpSpPr>
@@ -15034,7 +15229,7 @@
               <a:picLocks noChangeAspect="1"/>
               <a:extLst>
                 <a:ext uri="smNativeData">
-                  <pr:smNativeData xmlns:pr="smNativeData" xmlns="smNativeData" val="SMDATA_17_JtjWYhMAAAAlAAAAEQAAAC0AAAAAkAAAAEgAAACQAAAASAAAAAAAAAAAAAAAAAAAAAEAAABQAAAAAAAAAAAA4D8AAAAAAADgPwAAAAAAAOA/AAAAAAAA4D8AAAAAAADgPwAAAAAAAOA/AAAAAAAA4D8AAAAAAADgPwAAAAAAAOA/AAAAAAAA4D8CAAAAjAAAAAAAAAAAAAAAT4G9DP///wgAAAAAAAAAAAAAAAAAAAAAAAAAAAAAAAAAAAAAZAAAAAEAAABAAAAAAAAAAAAAAAAAAAAAAAAAAAAAAAAAAAAAAAAAAAAAAAAAAAAAAAAAAAAAAAAAAAAAAAAAAAAAAAAAAAAAAAAAAAAAAAAAAAAAAAAAAAAAAAAAAAAAFAAAADwAAAAAAAAAAAAAAAAAAAkUAAAAAQAAABQAAAAUAAAAFAAAAAEAAAAAAAAAZAAAAGQAAAAAAAAAZAAAAGQAAAAVAAAAYAAAAAAAAAAAAAAADwAAACADAAAAAAAAAAAAAAEAAACgMgAAVgcAAKr4//8BAAAAf39/AAEAAABkAAAAAAAAABQAAABAHwAAAAAAACYAAAAAAAAAwOD//wAAAAAmAAAAZAAAABYAAABMAAAAAAAAAAAAAAAEAAAAAAAAAAEAAADu7OEKAAAAACgAAAAoAAAAZAAAAGQAAAAAAAAAzMzMAAAAAABQAAAAUAAAAGQAAABkAAAAAAAAAAcAAAA4AAAAAAAAAAAAAAAAAAAA////AAAAAAAAAAAAAAAAAAAAAAAAAAAAZRMAAAAAAABkAAAAZAAAAAAAAAAjAAAABAAAAGQAAAAXAAAAFAAAAAAAAAAAAAAA/38AAP9/AAAAAAAACQAAAAQAAAAAAAAAHgAAAGgAAAAAAAAAAAAAAAAAAAAAAAAAAAAAABAnAAAQJwAAAAAAAAAAAAAAAAAAAAAAAAAAAAAAAAAAAAAAAAAAAAAUAAAAAAAAAMDA/wAAAAAAZAAAADIAAAAAAAAAZAAAAAAAAAB/f38ACgAAACIAAAAYAAAAAAAAAAAAAAAAAAAAAAAAAAAAAAAAAAAAJAAAACQAAAAAAAAABwAAAAAAAAAAAAAAAAAAAAAAAAAAAAAAAAAAAH9/fwAlAAAAWAAAAAAAAAAAAAAAAAAAAAAAAAAAAAAAAAAAAAAAAAAAAAAAAAAAAAAAAAAAAAAAPwAAAAAAAACghgEAAAAAAAAAAAAAAAAADAAAAAEAAAAAAAAAAAAAAAAAAAAfAAAAVAAAAE+BvQX///8BAAAAAAAAAAAAAAAAAAAAAAAAAAAAAAAAAAAAAAAAAAAAAAACf39/AO7s4QPMzMwAwMD/AH9/fwAAAAAAAAAAAAAAAAD///8AAAAAACEAAAAYAAAAFAAAAPwcAABIDgAAyjIAAKMcAAAAAAAAJgAAAAgAAAD//////////w=="/>
+                  <pr:smNativeData xmlns:pr="smNativeData" xmlns="smNativeData" val="SMDATA_17_iunWYhMAAAAlAAAAEQAAAC0AAAAAkAAAAEgAAACQAAAASAAAAAAAAAAAAAAAAAAAAAEAAABQAAAAAAAAAAAA4D8AAAAAAADgPwAAAAAAAOA/AAAAAAAA4D8AAAAAAADgPwAAAAAAAOA/AAAAAAAA4D8AAAAAAADgPwAAAAAAAOA/AAAAAAAA4D8CAAAAjAAAAAAAAAAAAAAAT4G9DP///wgAAAAAAAAAAAAAAAAAAAAAAAAAAAAAAAAAAAAAZAAAAAEAAABAAAAAAAAAAAAAAAAAAAAAAAAAAAAAAAAAAAAAAAAAAAAAAAAAAAAAAAAAAAAAAAAAAAAAAAAAAAAAAAAAAAAAAAAAAAAAAAAAAAAAAAAAAAAAAAAAAAAAFAAAADwAAAAAAAAAAAAAAAAAAAkUAAAAAQAAABQAAAAUAAAAFAAAAAEAAAAAAAAAZAAAAGQAAAAAAAAAZAAAAGQAAAAVAAAAYAAAAAAAAAAAAAAADwAAACADAAAAAAAAAAAAAAEAAACgMgAAVgcAAKr4//8BAAAAf39/AAEAAABkAAAAAAAAABQAAABAHwAAAAAAACYAAAAAAAAAwOD//wAAAAAmAAAAZAAAABYAAABMAAAAAAAAAAAAAAAEAAAAAAAAAAEAAADu7OEKAAAAACgAAAAoAAAAZAAAAGQAAAAAAAAAzMzMAAAAAABQAAAAUAAAAGQAAABkAAAAAAAAAAcAAAA4AAAAAAAAAAAAAAAAAAAA////AAAAAAAAAAAAAAAAAAAAAAAAAAAAZRMAAAAAAABkAAAAZAAAAAAAAAAjAAAABAAAAGQAAAAXAAAAFAAAAAAAAAAAAAAA/38AAP9/AAAAAAAACQAAAAQAAAAAAAAAHgAAAGgAAAAAAAAAAAAAAAAAAAAAAAAAAAAAABAnAAAQJwAAAAAAAAAAAAAAAAAAAAAAAAAAAAAAAAAAAAAAAAAAAAAUAAAAAAAAAMDA/wAAAAAAZAAAADIAAAAAAAAAZAAAAAAAAAB/f38ACgAAACIAAAAYAAAAAAAAAAAAAAAAAAAAAAAAAAAAAAAAAAAAJAAAACQAAAAAAAAABwAAAAAAAAAAAAAAAAAAAAAAAAAAAAAAAAAAAH9/fwAlAAAAWAAAAAAAAAAAAAAAAAAAAAAAAAAAAAAAAAAAAAAAAAAAAAAAAAAAAAAAAAAAAAAAPwAAAAAAAACghgEAAAAAAAAAAAAAAAAADAAAAAEAAAAAAAAAAAAAAAAAAAAfAAAAVAAAAE+BvQX///8BAAAAAAAAAAAAAAAAAAAAAAAAAAAAAAAAAAAAAAAAAAAAAAACf39/AO7s4QPMzMwAwMD/AH9/fwAAAAAAAAAAAAAAAAD///8AAAAAACEAAAAYAAAAFAAAAPwcAABIDgAAyjIAAKMcAAAAAAAAJgAAAAgAAAD//////////w=="/>
                 </a:ext>
               </a:extLst>
             </p:cNvPicPr>
@@ -15068,7 +15263,7 @@
             <p:cNvSpPr>
               <a:extLst>
                 <a:ext uri="smNativeData">
-                  <pr:smNativeData xmlns:pr="smNativeData" xmlns="smNativeData" val="SMDATA_15_JtjWYhMAAAAlAAAAZAAAAE0AAAAAkAAAAEgAAACQAAAASAAAAAAAAAAAAAAAAAAAAAEAAABQAAAAAAAAAAAA4D8AAAAAAADgPwAAAAAAAOA/AAAAAAAA4D8AAAAAAADgPwAAAAAAAOA/AAAAAAAA4D8AAAAAAADgPwAAAAAAAOA/AAAAAAAA4D8CAAAAjAAAAAAAAAAAAAAAT4G9DP///wgAAAAAAAAAAAAAAAAAAAAAAAAAAAAAAAAAAAAAZAAAAAEAAABAAAAAAAAAAAAAAAAAAAAAAAAAAAAAAAAAAAAAAAAAAAAAAAAAAAAAAAAAAAAAAAAAAAAAAAAAAAAAAAAAAAAAAAAAAAAAAAAAAAAAAAAAAAAAAAAAAAAAFAAAADwAAAAAAAAAAAAAAAAAAAAPAAAAAQAAACMAAAAjAAAAIwAAAB4AAAAAAAAAZAAAAGQAAAAAAAAAZAAAAGQAAAAVAAAAYAAAAAAAAAAAAAAADwAAACADAAAAAAAAAAAAAAEAAACgMgAAVgcAAKr4//8BAAAAf39/AAEAAABkAAAAAAAAABQAAABAHwAAAAAAACYAAAAAAAAAwOD//wAAAAAmAAAAZAAAABYAAABMAAAAAAAAAAAAAAAEAAAAAAAAAAEAAADu7OEKAAAAACgAAAAoAAAAZAAAAGQAAAAAAAAAzMzMAAAAAABQAAAAUAAAAGQAAABkAAAAAAAAABcAAAAUAAAAAAAAAAAAAAD/fwAA/38AAAAAAAAJAAAABAAAAPRFNd0eAAAAaAAAAAAAAAAAAAAAAAAAAAAAAAAAAAAAECcAABAnAAAAAAAAAAAAAAAAAAAAAAAAAAAAAAAAAAAAAAAAAAAAABQAAAAAAAAAwMD/AAAAAABkAAAAMgAAAAAAAABkAAAAAAAAAH9/fwAKAAAAIgAAABgAAAAAAAAAAAAAAAAAAAAAAAAAAAAAAAAAAAAkAAAAJAAAAAAAAAAHAAAAAAAAAAAAAAAAAAAAAAAAAAAAAAAAAAAAf39/ACUAAABYAAAAAAAAAAAAAAAAAAAAAAAAAAAAAAAAAAAAAAAAAAAAAAAAAAAAAAAAAAAAAAA/AAAAAAAAAKCGAQAAAAAAAAAAAAAAAAAMAAAAAQAAAAAAAAAAAAAAAAAAAB8AAABUAAAAT4G9Bf///wEAAAAAAAAAAAAAAAAAAAAAAAAAAAAAAAAAAAAAAAAAAAAAAAB/f38A7uzhA8zMzADAwP8Af39/AAAAAAAAAAAAAAAAAAAAAAAAAAAAIQAAABgAAAAUAAAA/h8AABoXAAD+MgAAXxkAAAAgAAAmAAAACAAAAP//////////"/>
+                  <pr:smNativeData xmlns:pr="smNativeData" xmlns="smNativeData" val="SMDATA_15_iunWYhMAAAAlAAAAZAAAAE0AAAAAkAAAAEgAAACQAAAASAAAAAAAAAAAAAAAAAAAAAEAAABQAAAAAAAAAAAA4D8AAAAAAADgPwAAAAAAAOA/AAAAAAAA4D8AAAAAAADgPwAAAAAAAOA/AAAAAAAA4D8AAAAAAADgPwAAAAAAAOA/AAAAAAAA4D8CAAAAjAAAAAAAAAAAAAAAT4G9DP///wgAAAAAAAAAAAAAAAAAAAAAAAAAAAAAAAAAAAAAZAAAAAEAAABAAAAAAAAAAAAAAAAAAAAAAAAAAAAAAAAAAAAAAAAAAAAAAAAAAAAAAAAAAAAAAAAAAAAAAAAAAAAAAAAAAAAAAAAAAAAAAAAAAAAAAAAAAAAAAAAAAAAAFAAAADwAAAAAAAAAAAAAAAAAAAAPAAAAAQAAACMAAAAjAAAAIwAAAB4AAAAAAAAAZAAAAGQAAAAAAAAAZAAAAGQAAAAVAAAAYAAAAAAAAAAAAAAADwAAACADAAAAAAAAAAAAAAEAAACgMgAAVgcAAKr4//8BAAAAf39/AAEAAABkAAAAAAAAABQAAABAHwAAAAAAACYAAAAAAAAAwOD//wAAAAAmAAAAZAAAABYAAABMAAAAAAAAAAAAAAAEAAAAAAAAAAEAAADu7OEKAAAAACgAAAAoAAAAZAAAAGQAAAAAAAAAzMzMAAAAAABQAAAAUAAAAGQAAABkAAAAAAAAABcAAAAUAAAAAAAAAAAAAAD/fwAA/38AAAAAAAAJAAAABAAAAPRFNd0eAAAAaAAAAAAAAAAAAAAAAAAAAAAAAAAAAAAAECcAABAnAAAAAAAAAAAAAAAAAAAAAAAAAAAAAAAAAAAAAAAAAAAAABQAAAAAAAAAwMD/AAAAAABkAAAAMgAAAAAAAABkAAAAAAAAAH9/fwAKAAAAIgAAABgAAAAAAAAAAAAAAAAAAAAAAAAAAAAAAAAAAAAkAAAAJAAAAAAAAAAHAAAAAAAAAAAAAAAAAAAAAAAAAAAAAAAAAAAAf39/ACUAAABYAAAAAAAAAAAAAAAAAAAAAAAAAAAAAAAAAAAAAAAAAAAAAAAAAAAAAAAAAAAAAAA/AAAAAAAAAKCGAQAAAAAAAAAAAAAAAAAMAAAAAQAAAAAAAAAAAAAAAAAAAB8AAABUAAAAT4G9Bf///wEAAAAAAAAAAAAAAAAAAAAAAAAAAAAAAAAAAAAAAAAAAAAAAAB/f38A7uzhA8zMzADAwP8Af39/AAAAAAAAAAAAAAAAAAAAAAAAAAAAIQAAABgAAAAUAAAA/h8AABoXAAD+MgAAXxkAAAAgAAAmAAAACAAAAP//////////"/>
                 </a:ext>
               </a:extLst>
             </p:cNvSpPr>
@@ -15113,7 +15308,7 @@
           <p:cNvGrpSpPr>
             <a:extLst>
               <a:ext uri="smNativeData">
-                <pr:smNativeData xmlns:pr="smNativeData" xmlns="smNativeData" val="SMDATA_6_JtjWYhMAAAAlAAAAAQAAAA8BAAAAkAAAAEgAAACQAAAASAAAAAAAAAAAAAAAAAAAABcAAAAUAAAAAAAAAAAAAAD/fwAA/38AAAAAAAAJAAAABAAAACwBAAAfAAAAVAAAAAAAAAAAAAAAAAAAAAAAAAAAAAAAAAAAAAAAAAAAAAAAAAAAAAAAAAAAAAAAAAAAAAAAAAAAAAAAAAAAAAAAAAAAAAAAAAAAAAAAAAAAAAAAAAAAACEAAAAYAAAAFAAAAAAAAADkAgAA6BUAAAQQAAAQAAAAJgAAAAgAAAD/////AAAAAA=="/>
+                <pr:smNativeData xmlns:pr="smNativeData" xmlns="smNativeData" val="SMDATA_6_iunWYhMAAAAlAAAAAQAAAA8BAAAAkAAAAEgAAACQAAAASAAAAAAAAAAAAAAAAAAAABcAAAAUAAAAAAAAAAAAAAD/fwAA/38AAAAAAAAJAAAABAAAACwBAAAfAAAAVAAAAAAAAAAAAAAAAAAAAAAAAAAAAAAAAAAAAAAAAAAAAAAAAAAAAAAAAAAAAAAAAAAAAAAAAAAAAAAAAAAAAAAAAAAAAAAAAAAAAAAAAAAAAAAAAAAAACEAAAAYAAAAFAAAAAAAAADkAgAA6BUAAAQQAAAQAAAAJgAAAAgAAAD/////AAAAAA=="/>
               </a:ext>
             </a:extLst>
           </p:cNvGrpSpPr>
@@ -15134,7 +15329,7 @@
               <a:picLocks noChangeAspect="1"/>
               <a:extLst>
                 <a:ext uri="smNativeData">
-                  <pr:smNativeData xmlns:pr="smNativeData" xmlns="smNativeData" val="SMDATA_17_JtjWYhMAAAAlAAAAEQAAAC0AAAAAkAAAAEgAAACQAAAASAAAAAAAAAAAAAAAAAAAAAEAAABQAAAAAAAAAAAA4D8AAAAAAADgPwAAAAAAAOA/AAAAAAAA4D8AAAAAAADgPwAAAAAAAOA/AAAAAAAA4D8AAAAAAADgPwAAAAAAAOA/AAAAAAAA4D8CAAAAjAAAAAAAAAAAAAAAT4G9DP///wgAAAAAAAAAAAAAAAAAAAAAAAAAAAAAAAAAAAAAZAAAAAEAAABAAAAAAAAAAAAAAAAAAAAAAAAAAAAAAAAAAAAAAAAAAAAAAAAAAAAAAAAAAAAAAAAAAAAAAAAAAAAAAAAAAAAAAAAAAAAAAAAAAAAAAAAAAAAAAAAAAAAAFAAAADwAAAAAAAAAAAAAAAAAAAkUAAAAAQAAABQAAAAUAAAAFAAAAAEAAAAAAAAAZAAAAGQAAAAAAAAAZAAAAGQAAAAVAAAAYAAAAAAAAAAAAAAADwAAACADAAAAAAAAAAAAAAEAAACgMgAAVgcAAKr4//8BAAAAf39/AAEAAABkAAAAAAAAABQAAABAHwAAAAAAACYAAAAAAAAAwOD//wAAAAAmAAAAZAAAABYAAABMAAAAAAAAAAAAAAAEAAAAAAAAAAEAAADu7OEKAAAAACgAAAAoAAAAZAAAAGQAAAAAAAAAzMzMAAAAAABQAAAAUAAAAGQAAABkAAAAAAAAAAcAAAA4AAAAAAAAAAAAAAAAAAAA////AAAAAAAAAAAAAAAAAAAAAAAAAAAAiwMAAAAAAABkAAAAZAAAAAAAAAAjAAAABAAAAGQAAAAXAAAAFAAAAAAAAAAAAAAA/38AAP9/AAAAAAAACQAAAAQAAABAAAEEHgAAAGgAAAAAAAAAAAAAAAAAAAAAAAAAAAAAABAnAAAQJwAAAAAAAAAAAAAAAAAAAAAAAAAAAAAAAAAAAAAAAAAAAAAUAAAAAAAAAMDA/wAAAAAAZAAAADIAAAAAAAAAZAAAAAAAAAB/f38ACgAAACIAAAAYAAAAAAAAAAAAAAAAAAAAAAAAAAAAAAAAAAAAJAAAACQAAAAAAAAABwAAAAAAAAAAAAAAAAAAAAAAAAAAAAAAAAAAAH9/fwAlAAAAWAAAAAAAAAAAAAAAAAAAAAAAAAAAAAAAAAAAAAAAAAAAAAAAAAAAAAAAAAAAAAAAPwAAAAAAAACghgEAAAAAAAAAAAAAAAAADAAAAAEAAAAAAAAAAAAAAAAAAAAfAAAAVAAAAE+BvQX///8BAAAAAAAAAAAAAAAAAAAAAAAAAAAAAAAAAAAAAAAAAAAAAAACf39/AO7s4QPMzMwAwMD/AH9/fwAAAAAAAAAAAAAAAAD///8AAAAAACEAAAAYAAAAFAAAAAAAAADkAgAA6BUAAAQQAAAAAAAAJgAAAAgAAAD//////////w=="/>
+                  <pr:smNativeData xmlns:pr="smNativeData" xmlns="smNativeData" val="SMDATA_17_iunWYhMAAAAlAAAAEQAAAC0AAAAAkAAAAEgAAACQAAAASAAAAAAAAAAAAAAAAAAAAAEAAABQAAAAAAAAAAAA4D8AAAAAAADgPwAAAAAAAOA/AAAAAAAA4D8AAAAAAADgPwAAAAAAAOA/AAAAAAAA4D8AAAAAAADgPwAAAAAAAOA/AAAAAAAA4D8CAAAAjAAAAAAAAAAAAAAAT4G9DP///wgAAAAAAAAAAAAAAAAAAAAAAAAAAAAAAAAAAAAAZAAAAAEAAABAAAAAAAAAAAAAAAAAAAAAAAAAAAAAAAAAAAAAAAAAAAAAAAAAAAAAAAAAAAAAAAAAAAAAAAAAAAAAAAAAAAAAAAAAAAAAAAAAAAAAAAAAAAAAAAAAAAAAFAAAADwAAAAAAAAAAAAAAAAAAAkUAAAAAQAAABQAAAAUAAAAFAAAAAEAAAAAAAAAZAAAAGQAAAAAAAAAZAAAAGQAAAAVAAAAYAAAAAAAAAAAAAAADwAAACADAAAAAAAAAAAAAAEAAACgMgAAVgcAAKr4//8BAAAAf39/AAEAAABkAAAAAAAAABQAAABAHwAAAAAAACYAAAAAAAAAwOD//wAAAAAmAAAAZAAAABYAAABMAAAAAAAAAAAAAAAEAAAAAAAAAAEAAADu7OEKAAAAACgAAAAoAAAAZAAAAGQAAAAAAAAAzMzMAAAAAABQAAAAUAAAAGQAAABkAAAAAAAAAAcAAAA4AAAAAAAAAAAAAAAAAAAA////AAAAAAAAAAAAAAAAAAAAAAAAAAAAiwMAAAAAAABkAAAAZAAAAAAAAAAjAAAABAAAAGQAAAAXAAAAFAAAAAAAAAAAAAAA/38AAP9/AAAAAAAACQAAAAQAAABAAAEEHgAAAGgAAAAAAAAAAAAAAAAAAAAAAAAAAAAAABAnAAAQJwAAAAAAAAAAAAAAAAAAAAAAAAAAAAAAAAAAAAAAAAAAAAAUAAAAAAAAAMDA/wAAAAAAZAAAADIAAAAAAAAAZAAAAAAAAAB/f38ACgAAACIAAAAYAAAAAAAAAAAAAAAAAAAAAAAAAAAAAAAAAAAAJAAAACQAAAAAAAAABwAAAAAAAAAAAAAAAAAAAAAAAAAAAAAAAAAAAH9/fwAlAAAAWAAAAAAAAAAAAAAAAAAAAAAAAAAAAAAAAAAAAAAAAAAAAAAAAAAAAAAAAAAAAAAAPwAAAAAAAACghgEAAAAAAAAAAAAAAAAADAAAAAEAAAAAAAAAAAAAAAAAAAAfAAAAVAAAAE+BvQX///8BAAAAAAAAAAAAAAAAAAAAAAAAAAAAAAAAAAAAAAAAAAAAAAACf39/AO7s4QPMzMwAwMD/AH9/fwAAAAAAAAAAAAAAAAD///8AAAAAACEAAAAYAAAAFAAAAAAAAADkAgAA6BUAAAQQAAAAAAAAJgAAAAgAAAD//////////w=="/>
                 </a:ext>
               </a:extLst>
             </p:cNvPicPr>
@@ -15168,7 +15363,7 @@
             <p:cNvSpPr>
               <a:extLst>
                 <a:ext uri="smNativeData">
-                  <pr:smNativeData xmlns:pr="smNativeData" xmlns="smNativeData" val="SMDATA_15_JtjWYhMAAAAlAAAAZAAAAE0AAAAAkAAAAEgAAACQAAAASAAAAAAAAAAAAAAAAAAAAAEAAABQAAAAAAAAAAAA4D8AAAAAAADgPwAAAAAAAOA/AAAAAAAA4D8AAAAAAADgPwAAAAAAAOA/AAAAAAAA4D8AAAAAAADgPwAAAAAAAOA/AAAAAAAA4D8CAAAAjAAAAAAAAAAAAAAAT4G9DP///wgAAAAAAAAAAAAAAAAAAAAAAAAAAAAAAAAAAAAAZAAAAAEAAABAAAAAAAAAAAAAAAAAAAAAAAAAAAAAAAAAAAAAAAAAAAAAAAAAAAAAAAAAAAAAAAAAAAAAAAAAAAAAAAAAAAAAAAAAAAAAAAAAAAAAAAAAAAAAAAAAAAAAFAAAADwAAAAAAAAAAAAAAAAAAAAPAAAAAQAAACMAAAAjAAAAIwAAAB4AAAAAAAAAZAAAAGQAAAAAAAAAZAAAAGQAAAAVAAAAYAAAAAAAAAAAAAAADwAAACADAAAAAAAAAAAAAAEAAACgMgAAVgcAAKr4//8BAAAAf39/AAEAAABkAAAAAAAAABQAAABAHwAAAAAAACYAAAAAAAAAwOD//wAAAAAmAAAAZAAAABYAAABMAAAAAAAAAAAAAAAEAAAAAAAAAAEAAADu7OEKAAAAACgAAAAoAAAAZAAAAGQAAAAAAAAAzMzMAAAAAABQAAAAUAAAAGQAAABkAAAAAAAAABcAAAAUAAAAAAAAAAAAAAD/fwAA/38AAAAAAAAJAAAABAAAAIr/CCAeAAAAaAAAAAAAAAAAAAAAAAAAAAAAAAAAAAAAECcAABAnAAAAAAAAAAAAAAAAAAAAAAAAAAAAAAAAAAAAAAAAAAAAABQAAAAAAAAAwMD/AAAAAABkAAAAMgAAAAAAAABkAAAAAAAAAH9/fwAKAAAAIgAAABgAAAAAAAAAAAAAAAAAAAAAAAAAAAAAAAAAAAAkAAAAJAAAAAAAAAAHAAAAAAAAAAAAAAAAAAAAAAAAAAAAAAAAAAAAf39/ACUAAABYAAAAAAAAAAAAAAAAAAAAAAAAAAAAAAAAAAAAAAAAAAAAAAAAAAAAAAAAAAAAAAA/AAAAAAAAAKCGAQAAAAAAAAAAAAAAAAAMAAAAAQAAAAAAAAAAAAAAAAAAAB8AAABUAAAAT4G9Bf///wEAAAAAAAAAAAAAAAAAAAAAAAAAAAAAAAAAAAAAAAAAAAAAAAB/f38A7uzhA8zMzADAwP8Af39/AAAAAAAAAAAAAAAAAAAAAAAAAAAAIQAAABgAAAAUAAAA6A0AADAMAADoFQAAdg4AAAAgAAAmAAAACAAAAP//////////"/>
+                  <pr:smNativeData xmlns:pr="smNativeData" xmlns="smNativeData" val="SMDATA_15_iunWYhMAAAAlAAAAZAAAAE0AAAAAkAAAAEgAAACQAAAASAAAAAAAAAAAAAAAAAAAAAEAAABQAAAAAAAAAAAA4D8AAAAAAADgPwAAAAAAAOA/AAAAAAAA4D8AAAAAAADgPwAAAAAAAOA/AAAAAAAA4D8AAAAAAADgPwAAAAAAAOA/AAAAAAAA4D8CAAAAjAAAAAAAAAAAAAAAT4G9DP///wgAAAAAAAAAAAAAAAAAAAAAAAAAAAAAAAAAAAAAZAAAAAEAAABAAAAAAAAAAAAAAAAAAAAAAAAAAAAAAAAAAAAAAAAAAAAAAAAAAAAAAAAAAAAAAAAAAAAAAAAAAAAAAAAAAAAAAAAAAAAAAAAAAAAAAAAAAAAAAAAAAAAAFAAAADwAAAAAAAAAAAAAAAAAAAAPAAAAAQAAACMAAAAjAAAAIwAAAB4AAAAAAAAAZAAAAGQAAAAAAAAAZAAAAGQAAAAVAAAAYAAAAAAAAAAAAAAADwAAACADAAAAAAAAAAAAAAEAAACgMgAAVgcAAKr4//8BAAAAf39/AAEAAABkAAAAAAAAABQAAABAHwAAAAAAACYAAAAAAAAAwOD//wAAAAAmAAAAZAAAABYAAABMAAAAAAAAAAAAAAAEAAAAAAAAAAEAAADu7OEKAAAAACgAAAAoAAAAZAAAAGQAAAAAAAAAzMzMAAAAAABQAAAAUAAAAGQAAABkAAAAAAAAABcAAAAUAAAAAAAAAAAAAAD/fwAA/38AAAAAAAAJAAAABAAAAIr/CCAeAAAAaAAAAAAAAAAAAAAAAAAAAAAAAAAAAAAAECcAABAnAAAAAAAAAAAAAAAAAAAAAAAAAAAAAAAAAAAAAAAAAAAAABQAAAAAAAAAwMD/AAAAAABkAAAAMgAAAAAAAABkAAAAAAAAAH9/fwAKAAAAIgAAABgAAAAAAAAAAAAAAAAAAAAAAAAAAAAAAAAAAAAkAAAAJAAAAAAAAAAHAAAAAAAAAAAAAAAAAAAAAAAAAAAAAAAAAAAAf39/ACUAAABYAAAAAAAAAAAAAAAAAAAAAAAAAAAAAAAAAAAAAAAAAAAAAAAAAAAAAAAAAAAAAAA/AAAAAAAAAKCGAQAAAAAAAAAAAAAAAAAMAAAAAQAAAAAAAAAAAAAAAAAAAB8AAABUAAAAT4G9Bf///wEAAAAAAAAAAAAAAAAAAAAAAAAAAAAAAAAAAAAAAAAAAAAAAAB/f38A7uzhA8zMzADAwP8Af39/AAAAAAAAAAAAAAAAAAAAAAAAAAAAIQAAABgAAAAUAAAA6A0AADAMAADoFQAAdg4AAAAgAAAmAAAACAAAAP//////////"/>
                 </a:ext>
               </a:extLst>
             </p:cNvSpPr>
@@ -15208,7 +15403,7 @@
           <p:cNvGrpSpPr>
             <a:extLst>
               <a:ext uri="smNativeData">
-                <pr:smNativeData xmlns:pr="smNativeData" xmlns="smNativeData" val="SMDATA_6_JtjWYhMAAAAlAAAAAQAAAA8BAAAAkAAAAEgAAACQAAAASAAAAAAAAAAAAAAAAAAAABcAAAAUAAAAAAAAAAAAAAD/fwAA/38AAAAAAAAJAAAABAAAAE8BAAAfAAAAVAAAAAAAAAAAAAAAAAAAAAAAAAAAAAAAAAAAAAAAAAAAAAAAAAAAAAAAAAAAAAAAAAAAAAAAAAAAAAAAAAAAAAAAAAAAAAAAAAAAAAAAAAAAAAAAAAAAACEAAAAYAAAAFAAAANkcAADkAgAABDMAANwPAAAQAAAAJgAAAAgAAAD/////AAAAAA=="/>
+                <pr:smNativeData xmlns:pr="smNativeData" xmlns="smNativeData" val="SMDATA_6_iunWYhMAAAAlAAAAAQAAAA8BAAAAkAAAAEgAAACQAAAASAAAAAAAAAAAAAAAAAAAABcAAAAUAAAAAAAAAAAAAAD/fwAA/38AAAAAAAAJAAAABAAAAE8BAAAfAAAAVAAAAAAAAAAAAAAAAAAAAAAAAAAAAAAAAAAAAAAAAAAAAAAAAAAAAAAAAAAAAAAAAAAAAAAAAAAAAAAAAAAAAAAAAAAAAAAAAAAAAAAAAAAAAAAAAAAAACEAAAAYAAAAFAAAANkcAADkAgAABDMAANwPAAAQAAAAJgAAAAgAAAD/////AAAAAA=="/>
               </a:ext>
             </a:extLst>
           </p:cNvGrpSpPr>
@@ -15229,7 +15424,7 @@
               <a:picLocks noChangeAspect="1"/>
               <a:extLst>
                 <a:ext uri="smNativeData">
-                  <pr:smNativeData xmlns:pr="smNativeData" xmlns="smNativeData" val="SMDATA_17_JtjWYhMAAAAlAAAAEQAAAC0AAAAAkAAAAEgAAACQAAAASAAAAAAAAAAAAAAAAAAAAAEAAABQAAAAAAAAAAAA4D8AAAAAAADgPwAAAAAAAOA/AAAAAAAA4D8AAAAAAADgPwAAAAAAAOA/AAAAAAAA4D8AAAAAAADgPwAAAAAAAOA/AAAAAAAA4D8CAAAAjAAAAAAAAAAAAAAAT4G9DP///wgAAAAAAAAAAAAAAAAAAAAAAAAAAAAAAAAAAAAAZAAAAAEAAABAAAAAAAAAAAAAAAAAAAAAAAAAAAAAAAAAAAAAAAAAAAAAAAAAAAAAAAAAAAAAAAAAAAAAAAAAAAAAAAAAAAAAAAAAAAAAAAAAAAAAAAAAAAAAAAAAAAAAFAAAADwAAAAAAAAAAAAAAAAAAAkUAAAAAQAAABQAAAAUAAAAFAAAAAEAAAAAAAAAZAAAAGQAAAAAAAAAZAAAAGQAAAAVAAAAYAAAAAAAAAAAAAAADwAAACADAAAAAAAAAAAAAAEAAACgMgAAVgcAAKr4//8BAAAAf39/AAEAAABkAAAAAAAAABQAAABAHwAAAAAAACYAAAAAAAAAwOD//wAAAAAmAAAAZAAAABYAAABMAAAAAAAAAAAAAAAEAAAAAAAAAAEAAADu7OEKAAAAACgAAAAoAAAAZAAAAGQAAAAAAAAAzMzMAAAAAABQAAAAUAAAAGQAAABkAAAAAAAAAAcAAAA4AAAAAAAAAAAAAAAAAAAA////AAAAAAAAAAAAAAAAAAAAAAAAAAAAKBUAAAAAAABkAAAAZAAAAAAAAAAjAAAABAAAAGQAAAAXAAAAFAAAAAAAAAAAAAAA/38AAP9/AAAAAAAACQAAAAQAAABzdFN0HgAAAGgAAAAAAAAAAAAAAAAAAAAAAAAAAAAAABAnAAAQJwAAAAAAAAAAAAAAAAAAAAAAAAAAAAAAAAAAAAAAAAAAAAAUAAAAAAAAAMDA/wAAAAAAZAAAADIAAAAAAAAAZAAAAAAAAAB/f38ACgAAACIAAAAYAAAAAAAAAAAAAAAAAAAAAAAAAAAAAAAAAAAAJAAAACQAAAAAAAAABwAAAAAAAAAAAAAAAAAAAAAAAAAAAAAAAAAAAH9/fwAlAAAAWAAAAAAAAAAAAAAAAAAAAAAAAAAAAAAAAAAAAAAAAAAAAAAAAAAAAAAAAAAAAAAAPwAAAAAAAACghgEAAAAAAAAAAAAAAAAADAAAAAEAAAAAAAAAAAAAAAAAAAAfAAAAVAAAAE+BvQX///8BAAAAAAAAAAAAAAAAAAAAAAAAAAAAAAAAAAAAAAAAAAAAAAACf39/AO7s4QPMzMwAwMD/AH9/fwAAAAAAAAAAAAAAAAD///8AAAAAACEAAAAYAAAAFAAAANkcAADkAgAABDMAANwPAAAAAAAAJgAAAAgAAAD//////////w=="/>
+                  <pr:smNativeData xmlns:pr="smNativeData" xmlns="smNativeData" val="SMDATA_17_iunWYhMAAAAlAAAAEQAAAC0AAAAAkAAAAEgAAACQAAAASAAAAAAAAAAAAAAAAAAAAAEAAABQAAAAAAAAAAAA4D8AAAAAAADgPwAAAAAAAOA/AAAAAAAA4D8AAAAAAADgPwAAAAAAAOA/AAAAAAAA4D8AAAAAAADgPwAAAAAAAOA/AAAAAAAA4D8CAAAAjAAAAAAAAAAAAAAAT4G9DP///wgAAAAAAAAAAAAAAAAAAAAAAAAAAAAAAAAAAAAAZAAAAAEAAABAAAAAAAAAAAAAAAAAAAAAAAAAAAAAAAAAAAAAAAAAAAAAAAAAAAAAAAAAAAAAAAAAAAAAAAAAAAAAAAAAAAAAAAAAAAAAAAAAAAAAAAAAAAAAAAAAAAAAFAAAADwAAAAAAAAAAAAAAAAAAAkUAAAAAQAAABQAAAAUAAAAFAAAAAEAAAAAAAAAZAAAAGQAAAAAAAAAZAAAAGQAAAAVAAAAYAAAAAAAAAAAAAAADwAAACADAAAAAAAAAAAAAAEAAACgMgAAVgcAAKr4//8BAAAAf39/AAEAAABkAAAAAAAAABQAAABAHwAAAAAAACYAAAAAAAAAwOD//wAAAAAmAAAAZAAAABYAAABMAAAAAAAAAAAAAAAEAAAAAAAAAAEAAADu7OEKAAAAACgAAAAoAAAAZAAAAGQAAAAAAAAAzMzMAAAAAABQAAAAUAAAAGQAAABkAAAAAAAAAAcAAAA4AAAAAAAAAAAAAAAAAAAA////AAAAAAAAAAAAAAAAAAAAAAAAAAAAKBUAAAAAAABkAAAAZAAAAAAAAAAjAAAABAAAAGQAAAAXAAAAFAAAAAAAAAAAAAAA/38AAP9/AAAAAAAACQAAAAQAAABzdFN0HgAAAGgAAAAAAAAAAAAAAAAAAAAAAAAAAAAAABAnAAAQJwAAAAAAAAAAAAAAAAAAAAAAAAAAAAAAAAAAAAAAAAAAAAAUAAAAAAAAAMDA/wAAAAAAZAAAADIAAAAAAAAAZAAAAAAAAAB/f38ACgAAACIAAAAYAAAAAAAAAAAAAAAAAAAAAAAAAAAAAAAAAAAAJAAAACQAAAAAAAAABwAAAAAAAAAAAAAAAAAAAAAAAAAAAAAAAAAAAH9/fwAlAAAAWAAAAAAAAAAAAAAAAAAAAAAAAAAAAAAAAAAAAAAAAAAAAAAAAAAAAAAAAAAAAAAAPwAAAAAAAACghgEAAAAAAAAAAAAAAAAADAAAAAEAAAAAAAAAAAAAAAAAAAAfAAAAVAAAAE+BvQX///8BAAAAAAAAAAAAAAAAAAAAAAAAAAAAAAAAAAAAAAAAAAAAAAACf39/AO7s4QPMzMwAwMD/AH9/fwAAAAAAAAAAAAAAAAD///8AAAAAACEAAAAYAAAAFAAAANkcAADkAgAABDMAANwPAAAAAAAAJgAAAAgAAAD//////////w=="/>
                 </a:ext>
               </a:extLst>
             </p:cNvPicPr>
@@ -15263,7 +15458,7 @@
             <p:cNvSpPr>
               <a:extLst>
                 <a:ext uri="smNativeData">
-                  <pr:smNativeData xmlns:pr="smNativeData" xmlns="smNativeData" val="SMDATA_15_JtjWYhMAAAAlAAAAZAAAAE0AAAAAkAAAAEgAAACQAAAASAAAAAAAAAAAAAAAAAAAAAEAAABQAAAAAAAAAAAA4D8AAAAAAADgPwAAAAAAAOA/AAAAAAAA4D8AAAAAAADgPwAAAAAAAOA/AAAAAAAA4D8AAAAAAADgPwAAAAAAAOA/AAAAAAAA4D8CAAAAjAAAAAAAAAAAAAAAT4G9DP///wgAAAAAAAAAAAAAAAAAAAAAAAAAAAAAAAAAAAAAZAAAAAEAAABAAAAAAAAAAAAAAAAAAAAAAAAAAAAAAAAAAAAAAAAAAAAAAAAAAAAAAAAAAAAAAAAAAAAAAAAAAAAAAAAAAAAAAAAAAAAAAAAAAAAAAAAAAAAAAAAAAAAAFAAAADwAAAAAAAAAAAAAAAAAAAAPAAAAAQAAACMAAAAjAAAAIwAAAB4AAAAAAAAAZAAAAGQAAAAAAAAAZAAAAGQAAAAVAAAAYAAAAAAAAAAAAAAADwAAACADAAAAAAAAAAAAAAEAAACgMgAAVgcAAKr4//8BAAAAf39/AAEAAABkAAAAAAAAABQAAABAHwAAAAAAACYAAAAAAAAAwOD//wAAAAAmAAAAZAAAABYAAABMAAAAAAAAAAAAAAAEAAAAAAAAAAEAAADu7OEKAAAAACgAAAAoAAAAZAAAAGQAAAAAAAAAzMzMAAAAAABQAAAAUAAAAGQAAABkAAAAAAAAABcAAAAUAAAAAAAAAAAAAAD/fwAA/38AAAAAAAAJAAAABAAAADEyMDAeAAAAaAAAAAAAAAAAAAAAAAAAAAAAAAAAAAAAECcAABAnAAAAAAAAAAAAAAAAAAAAAAAAAAAAAAAAAAAAAAAAAAAAABQAAAAAAAAAwMD/AAAAAABkAAAAMgAAAAAAAABkAAAAAAAAAH9/fwAKAAAAIgAAABgAAAAAAAAAAAAAAAAAAAAAAAAAAAAAAAAAAAAkAAAAJAAAAAAAAAAHAAAAAAAAAAAAAAAAAAAAAAAAAAAAAAAAAAAAf39/ACUAAABYAAAAAAAAAAAAAAAAAAAAAAAAAAAAAAAAAAAAAAAAAAAAAAAAAAAAAAAAAAAAAAA/AAAAAAAAAKCGAQAAAAAAAAAAAAAAAAAMAAAAAQAAAAAAAAAAAAAAAAAAAB8AAABUAAAAT4G9Bf///wEAAAAAAAAAAAAAAAAAAAAAAAAAAAAAAAAAAAAAAAAAAAAAAAB/f38A7uzhA8zMzADAwP8Af39/AAAAAAAAAAAAAAAAAAAAAAAAAAAAIQAAABgAAAAUAAAABCsAADAMAADcMgAAdg4AAAAgAAAmAAAACAAAAP//////////"/>
+                  <pr:smNativeData xmlns:pr="smNativeData" xmlns="smNativeData" val="SMDATA_15_iunWYhMAAAAlAAAAZAAAAE0AAAAAkAAAAEgAAACQAAAASAAAAAAAAAAAAAAAAAAAAAEAAABQAAAAAAAAAAAA4D8AAAAAAADgPwAAAAAAAOA/AAAAAAAA4D8AAAAAAADgPwAAAAAAAOA/AAAAAAAA4D8AAAAAAADgPwAAAAAAAOA/AAAAAAAA4D8CAAAAjAAAAAAAAAAAAAAAT4G9DP///wgAAAAAAAAAAAAAAAAAAAAAAAAAAAAAAAAAAAAAZAAAAAEAAABAAAAAAAAAAAAAAAAAAAAAAAAAAAAAAAAAAAAAAAAAAAAAAAAAAAAAAAAAAAAAAAAAAAAAAAAAAAAAAAAAAAAAAAAAAAAAAAAAAAAAAAAAAAAAAAAAAAAAFAAAADwAAAAAAAAAAAAAAAAAAAAPAAAAAQAAACMAAAAjAAAAIwAAAB4AAAAAAAAAZAAAAGQAAAAAAAAAZAAAAGQAAAAVAAAAYAAAAAAAAAAAAAAADwAAACADAAAAAAAAAAAAAAEAAACgMgAAVgcAAKr4//8BAAAAf39/AAEAAABkAAAAAAAAABQAAABAHwAAAAAAACYAAAAAAAAAwOD//wAAAAAmAAAAZAAAABYAAABMAAAAAAAAAAAAAAAEAAAAAAAAAAEAAADu7OEKAAAAACgAAAAoAAAAZAAAAGQAAAAAAAAAzMzMAAAAAABQAAAAUAAAAGQAAABkAAAAAAAAABcAAAAUAAAAAAAAAAAAAAD/fwAA/38AAAAAAAAJAAAABAAAADEyMDAeAAAAaAAAAAAAAAAAAAAAAAAAAAAAAAAAAAAAECcAABAnAAAAAAAAAAAAAAAAAAAAAAAAAAAAAAAAAAAAAAAAAAAAABQAAAAAAAAAwMD/AAAAAABkAAAAMgAAAAAAAABkAAAAAAAAAH9/fwAKAAAAIgAAABgAAAAAAAAAAAAAAAAAAAAAAAAAAAAAAAAAAAAkAAAAJAAAAAAAAAAHAAAAAAAAAAAAAAAAAAAAAAAAAAAAAAAAAAAAf39/ACUAAABYAAAAAAAAAAAAAAAAAAAAAAAAAAAAAAAAAAAAAAAAAAAAAAAAAAAAAAAAAAAAAAA/AAAAAAAAAKCGAQAAAAAAAAAAAAAAAAAMAAAAAQAAAAAAAAAAAAAAAAAAAB8AAABUAAAAT4G9Bf///wEAAAAAAAAAAAAAAAAAAAAAAAAAAAAAAAAAAAAAAAAAAAAAAAB/f38A7uzhA8zMzADAwP8Af39/AAAAAAAAAAAAAAAAAAAAAAAAAAAAIQAAABgAAAAUAAAABCsAADAMAADcMgAAdg4AAAAgAAAmAAAACAAAAP//////////"/>
                 </a:ext>
               </a:extLst>
             </p:cNvSpPr>
@@ -15303,7 +15498,7 @@
           <p:cNvGrpSpPr>
             <a:extLst>
               <a:ext uri="smNativeData">
-                <pr:smNativeData xmlns:pr="smNativeData" xmlns="smNativeData" val="SMDATA_6_JtjWYhMAAAAlAAAAAQAAAA8BAAAAkAAAAEgAAACQAAAASAAAAAAAAAAAAAAAAAAAABcAAAAUAAAAAAAAAAAAAAD/fwAA/38AAAAAAAAJAAAABAAAAB0AAAAfAAAAVAAAAAAAAAAAAAAAAAAAAAAAAAAAAAAAAAAAAAAAAAAAAAAAAAAAAAAAAAAAAAAAAAAAAAAAAAAAAAAAAAAAAAAAAAAAAAAAAAAAAAAAAAAAAAAAAAAAACEAAAAYAAAAFAAAAAAAAAD0GgAANBYAACgoAAAQAAAAJgAAAAgAAAD/////AAAAAA=="/>
+                <pr:smNativeData xmlns:pr="smNativeData" xmlns="smNativeData" val="SMDATA_6_iunWYhMAAAAlAAAAAQAAAA8BAAAAkAAAAEgAAACQAAAASAAAAAAAAAAAAAAAAAAAABcAAAAUAAAAAAAAAAAAAAD/fwAA/38AAAAAAAAJAAAABAAAAB0AAAAfAAAAVAAAAAAAAAAAAAAAAAAAAAAAAAAAAAAAAAAAAAAAAAAAAAAAAAAAAAAAAAAAAAAAAAAAAAAAAAAAAAAAAAAAAAAAAAAAAAAAAAAAAAAAAAAAAAAAAAAAACEAAAAYAAAAFAAAAAAAAAD0GgAANBYAACgoAAAQAAAAJgAAAAgAAAD/////AAAAAA=="/>
               </a:ext>
             </a:extLst>
           </p:cNvGrpSpPr>
@@ -15324,7 +15519,7 @@
               <a:picLocks noChangeAspect="1"/>
               <a:extLst>
                 <a:ext uri="smNativeData">
-                  <pr:smNativeData xmlns:pr="smNativeData" xmlns="smNativeData" val="SMDATA_17_JtjWYhMAAAAlAAAAEQAAAC0AAAAAkAAAAEgAAACQAAAASAAAAAAAAAAAAAAAAAAAAAEAAABQAAAAAAAAAAAA4D8AAAAAAADgPwAAAAAAAOA/AAAAAAAA4D8AAAAAAADgPwAAAAAAAOA/AAAAAAAA4D8AAAAAAADgPwAAAAAAAOA/AAAAAAAA4D8CAAAAjAAAAAAAAAAAAAAAT4G9DP///wgAAAAAAAAAAAAAAAAAAAAAAAAAAAAAAAAAAAAAZAAAAAEAAABAAAAAAAAAAAAAAAAAAAAAAAAAAAAAAAAAAAAAAAAAAAAAAAAAAAAAAAAAAAAAAAAAAAAAAAAAAAAAAAAAAAAAAAAAAAAAAAAAAAAAAAAAAAAAAAAAAAAAFAAAADwAAAAAAAAAAAAAAAAAAAkUAAAAAQAAABQAAAAUAAAAFAAAAAEAAAAAAAAAZAAAAGQAAAAAAAAAZAAAAGQAAAAVAAAAYAAAAAAAAAAAAAAADwAAACADAAAAAAAAAAAAAAEAAACgMgAAVgcAAKr4//8BAAAAf39/AAEAAABkAAAAAAAAABQAAABAHwAAAAAAACYAAAAAAAAAwOD//wAAAAAmAAAAZAAAABYAAABMAAAAAAAAAAAAAAAEAAAAAAAAAAEAAADu7OEKAAAAACgAAAAoAAAAZAAAAGQAAAAAAAAAzMzMAAAAAABQAAAAUAAAAGQAAABkAAAAAAAAAAcAAAA4AAAAAAAAAAAAAAAAAAAA////AAAAAAAAAAAAAAAAAPsDAAAAAAAAAAAAAAAAAABkAAAAZAAAAAAAAAAjAAAABAAAAGQAAAAXAAAAFAAAAAAAAAAAAAAA/38AAP9/AAAAAAAACQAAAAQAAABCcms9HgAAAGgAAAAAAAAAAAAAAAAAAAAAAAAAAAAAABAnAAAQJwAAAAAAAAAAAAAAAAAAAAAAAAAAAAAAAAAAAAAAAAAAAAAUAAAAAAAAAMDA/wAAAAAAZAAAADIAAAAAAAAAZAAAAAAAAAB/f38ACgAAACIAAAAYAAAAAAAAAAAAAAAAAAAAAAAAAAAAAAAAAAAAJAAAACQAAAAAAAAABwAAAAAAAAAAAAAAAAAAAAAAAAAAAAAAAAAAAH9/fwAlAAAAWAAAAAAAAAAAAAAAAAAAAAAAAAAAAAAAAAAAAAAAAAAAAAAAAAAAAAAAAAAAAAAAPwAAAAAAAACghgEAAAAAAAAAAAAAAAAADAAAAAEAAAAAAAAAAAAAAAAAAAAfAAAAVAAAAE+BvQX///8BAAAAAAAAAAAAAAAAAAAAAAAAAAAAAAAAAAAAAAAAAAAAAAACf39/AO7s4QPMzMwAwMD/AH9/fwAAAAAAAAAAAAAAAAD///8AAAAAACEAAAAYAAAAFAAAAAAAAAD0GgAANBYAACgoAAAAAAAAJgAAAAgAAAD//////////w=="/>
+                  <pr:smNativeData xmlns:pr="smNativeData" xmlns="smNativeData" val="SMDATA_17_iunWYhMAAAAlAAAAEQAAAC0AAAAAkAAAAEgAAACQAAAASAAAAAAAAAAAAAAAAAAAAAEAAABQAAAAAAAAAAAA4D8AAAAAAADgPwAAAAAAAOA/AAAAAAAA4D8AAAAAAADgPwAAAAAAAOA/AAAAAAAA4D8AAAAAAADgPwAAAAAAAOA/AAAAAAAA4D8CAAAAjAAAAAAAAAAAAAAAT4G9DP///wgAAAAAAAAAAAAAAAAAAAAAAAAAAAAAAAAAAAAAZAAAAAEAAABAAAAAAAAAAAAAAAAAAAAAAAAAAAAAAAAAAAAAAAAAAAAAAAAAAAAAAAAAAAAAAAAAAAAAAAAAAAAAAAAAAAAAAAAAAAAAAAAAAAAAAAAAAAAAAAAAAAAAFAAAADwAAAAAAAAAAAAAAAAAAAkUAAAAAQAAABQAAAAUAAAAFAAAAAEAAAAAAAAAZAAAAGQAAAAAAAAAZAAAAGQAAAAVAAAAYAAAAAAAAAAAAAAADwAAACADAAAAAAAAAAAAAAEAAACgMgAAVgcAAKr4//8BAAAAf39/AAEAAABkAAAAAAAAABQAAABAHwAAAAAAACYAAAAAAAAAwOD//wAAAAAmAAAAZAAAABYAAABMAAAAAAAAAAAAAAAEAAAAAAAAAAEAAADu7OEKAAAAACgAAAAoAAAAZAAAAGQAAAAAAAAAzMzMAAAAAABQAAAAUAAAAGQAAABkAAAAAAAAAAcAAAA4AAAAAAAAAAAAAAAAAAAA////AAAAAAAAAAAAAAAAAPsDAAAAAAAAAAAAAAAAAABkAAAAZAAAAAAAAAAjAAAABAAAAGQAAAAXAAAAFAAAAAAAAAAAAAAA/38AAP9/AAAAAAAACQAAAAQAAABCcms9HgAAAGgAAAAAAAAAAAAAAAAAAAAAAAAAAAAAABAnAAAQJwAAAAAAAAAAAAAAAAAAAAAAAAAAAAAAAAAAAAAAAAAAAAAUAAAAAAAAAMDA/wAAAAAAZAAAADIAAAAAAAAAZAAAAAAAAAB/f38ACgAAACIAAAAYAAAAAAAAAAAAAAAAAAAAAAAAAAAAAAAAAAAAJAAAACQAAAAAAAAABwAAAAAAAAAAAAAAAAAAAAAAAAAAAAAAAAAAAH9/fwAlAAAAWAAAAAAAAAAAAAAAAAAAAAAAAAAAAAAAAAAAAAAAAAAAAAAAAAAAAAAAAAAAAAAAPwAAAAAAAACghgEAAAAAAAAAAAAAAAAADAAAAAEAAAAAAAAAAAAAAAAAAAAfAAAAVAAAAE+BvQX///8BAAAAAAAAAAAAAAAAAAAAAAAAAAAAAAAAAAAAAAAAAAAAAAACf39/AO7s4QPMzMwAwMD/AH9/fwAAAAAAAAAAAAAAAAD///8AAAAAACEAAAAYAAAAFAAAAAAAAAD0GgAANBYAACgoAAAAAAAAJgAAAAgAAAD//////////w=="/>
                 </a:ext>
               </a:extLst>
             </p:cNvPicPr>
@@ -15358,7 +15553,7 @@
             <p:cNvSpPr>
               <a:extLst>
                 <a:ext uri="smNativeData">
-                  <pr:smNativeData xmlns:pr="smNativeData" xmlns="smNativeData" val="SMDATA_15_JtjWYhMAAAAlAAAAZAAAAE0AAAAAkAAAAEgAAACQAAAASAAAAAAAAAAAAAAAAAAAAAEAAABQAAAAAAAAAAAA4D8AAAAAAADgPwAAAAAAAOA/AAAAAAAA4D8AAAAAAADgPwAAAAAAAOA/AAAAAAAA4D8AAAAAAADgPwAAAAAAAOA/AAAAAAAA4D8CAAAAjAAAAAAAAAAAAAAAT4G9DP///wgAAAAAAAAAAAAAAAAAAAAAAAAAAAAAAAAAAAAAZAAAAAEAAABAAAAAAAAAAAAAAAAAAAAAAAAAAAAAAAAAAAAAAAAAAAAAAAAAAAAAAAAAAAAAAAAAAAAAAAAAAAAAAAAAAAAAAAAAAAAAAAAAAAAAAAAAAAAAAAAAAAAAFAAAADwAAAAAAAAAAAAAAAAAAAAPAAAAAQAAACMAAAAjAAAAIwAAAB4AAAAAAAAAZAAAAGQAAAAAAAAAZAAAAGQAAAAVAAAAYAAAAAAAAAAAAAAADwAAACADAAAAAAAAAAAAAAEAAACgMgAAVgcAAKr4//8BAAAAf39/AAEAAABkAAAAAAAAABQAAABAHwAAAAAAACYAAAAAAAAAwOD//wAAAAAmAAAAZAAAABYAAABMAAAAAAAAAAAAAAAEAAAAAAAAAAEAAADu7OEKAAAAACgAAAAoAAAAZAAAAGQAAAAAAAAAzMzMAAAAAABQAAAAUAAAAGQAAABkAAAAAAAAABcAAAAUAAAAAAAAAAAAAAD/fwAA/38AAAAAAAAJAAAABAAAAPilzqseAAAAaAAAAAAAAAAAAAAAAAAAAAAAAAAAAAAAECcAABAnAAAAAAAAAAAAAAAAAAAAAAAAAAAAAAAAAAAAAAAAAAAAABQAAAAAAAAAwMD/AAAAAABkAAAAMgAAAAAAAABkAAAAAAAAAH9/fwAKAAAAIgAAABgAAAAAAAAAAAAAAAAAAAAAAAAAAAAAAAAAAAAkAAAAJAAAAAAAAAAHAAAAAAAAAAAAAAAAAAAAAAAAAAAAAAAAAAAAf39/ACUAAABYAAAAAAAAAAAAAAAAAAAAAAAAAAAAAAAAAAAAAAAAAAAAAAAAAAAAAAAAAAAAAAA/AAAAAAAAAKCGAQAAAAAAAAAAAAAAAAAMAAAAAQAAAAAAAAAAAAAAAAAAAB8AAABUAAAAT4G9Bf///wEAAAAAAAAAAAAAAAAAAAAAAAAAAAAAAAAAAAAAAAAAAAAAAAB/f38A7uzhA8zMzADAwP8Af39/AAAAAAAAAAAAAAAAAAAAAAAAAAAAIQAAABgAAAAUAAAAThIAAIMiAADPFQAAySQAAAAgAAAmAAAACAAAAP//////////"/>
+                  <pr:smNativeData xmlns:pr="smNativeData" xmlns="smNativeData" val="SMDATA_15_iunWYhMAAAAlAAAAZAAAAE0AAAAAkAAAAEgAAACQAAAASAAAAAAAAAAAAAAAAAAAAAEAAABQAAAAAAAAAAAA4D8AAAAAAADgPwAAAAAAAOA/AAAAAAAA4D8AAAAAAADgPwAAAAAAAOA/AAAAAAAA4D8AAAAAAADgPwAAAAAAAOA/AAAAAAAA4D8CAAAAjAAAAAAAAAAAAAAAT4G9DP///wgAAAAAAAAAAAAAAAAAAAAAAAAAAAAAAAAAAAAAZAAAAAEAAABAAAAAAAAAAAAAAAAAAAAAAAAAAAAAAAAAAAAAAAAAAAAAAAAAAAAAAAAAAAAAAAAAAAAAAAAAAAAAAAAAAAAAAAAAAAAAAAAAAAAAAAAAAAAAAAAAAAAAFAAAADwAAAAAAAAAAAAAAAAAAAAPAAAAAQAAACMAAAAjAAAAIwAAAB4AAAAAAAAAZAAAAGQAAAAAAAAAZAAAAGQAAAAVAAAAYAAAAAAAAAAAAAAADwAAACADAAAAAAAAAAAAAAEAAACgMgAAVgcAAKr4//8BAAAAf39/AAEAAABkAAAAAAAAABQAAABAHwAAAAAAACYAAAAAAAAAwOD//wAAAAAmAAAAZAAAABYAAABMAAAAAAAAAAAAAAAEAAAAAAAAAAEAAADu7OEKAAAAACgAAAAoAAAAZAAAAGQAAAAAAAAAzMzMAAAAAABQAAAAUAAAAGQAAABkAAAAAAAAABcAAAAUAAAAAAAAAAAAAAD/fwAA/38AAAAAAAAJAAAABAAAAPilzqseAAAAaAAAAAAAAAAAAAAAAAAAAAAAAAAAAAAAECcAABAnAAAAAAAAAAAAAAAAAAAAAAAAAAAAAAAAAAAAAAAAAAAAABQAAAAAAAAAwMD/AAAAAABkAAAAMgAAAAAAAABkAAAAAAAAAH9/fwAKAAAAIgAAABgAAAAAAAAAAAAAAAAAAAAAAAAAAAAAAAAAAAAkAAAAJAAAAAAAAAAHAAAAAAAAAAAAAAAAAAAAAAAAAAAAAAAAAAAAf39/ACUAAABYAAAAAAAAAAAAAAAAAAAAAAAAAAAAAAAAAAAAAAAAAAAAAAAAAAAAAAAAAAAAAAA/AAAAAAAAAKCGAQAAAAAAAAAAAAAAAAAMAAAAAQAAAAAAAAAAAAAAAAAAAB8AAABUAAAAT4G9Bf///wEAAAAAAAAAAAAAAAAAAAAAAAAAAAAAAAAAAAAAAAAAAAAAAAB/f38A7uzhA8zMzADAwP8Af39/AAAAAAAAAAAAAAAAAAAAAAAAAAAAIQAAABgAAAAUAAAAThIAAIMiAADPFQAAySQAAAAgAAAmAAAACAAAAP//////////"/>
                 </a:ext>
               </a:extLst>
             </p:cNvSpPr>
@@ -15398,7 +15593,7 @@
           <p:cNvGrpSpPr>
             <a:extLst>
               <a:ext uri="smNativeData">
-                <pr:smNativeData xmlns:pr="smNativeData" xmlns="smNativeData" val="SMDATA_6_JtjWYhMAAAAlAAAAAQAAAA8BAAAAkAAAAEgAAACQAAAASAAAAAAAAAAAAAAAAAAAABcAAAAUAAAAAAAAAAAAAAD/fwAA/38AAAAAAAAJAAAABAAAAAAAAAAfAAAAVAAAAAAAAAAAAAAAAAAAAAAAAAAAAAAAAAAAAAAAAAAAAAAAAAAAAAAAAAAAAAAAAAAAAAAAAAAAAAAAAAAAAAAAAAAAAAAAAAAAAAAAAAAAAAAAAAAAACEAAAAYAAAAFAAAABMdAABYGwAA8TIAAMUnAAAQAAAAJgAAAAgAAAD/////AAAAAA=="/>
+                <pr:smNativeData xmlns:pr="smNativeData" xmlns="smNativeData" val="SMDATA_6_iunWYhMAAAAlAAAAAQAAAA8BAAAAkAAAAEgAAACQAAAASAAAAAAAAAAAAAAAAAAAABcAAAAUAAAAAAAAAAAAAAD/fwAA/38AAAAAAAAJAAAABAAAAAAAAAAfAAAAVAAAAAAAAAAAAAAAAAAAAAAAAAAAAAAAAAAAAAAAAAAAAAAAAAAAAAAAAAAAAAAAAAAAAAAAAAAAAAAAAAAAAAAAAAAAAAAAAAAAAAAAAAAAAAAAAAAAACEAAAAYAAAAFAAAABMdAABYGwAA8TIAAMUnAAAQAAAAJgAAAAgAAAD/////AAAAAA=="/>
               </a:ext>
             </a:extLst>
           </p:cNvGrpSpPr>
@@ -15419,7 +15614,7 @@
               <a:picLocks noChangeAspect="1"/>
               <a:extLst>
                 <a:ext uri="smNativeData">
-                  <pr:smNativeData xmlns:pr="smNativeData" xmlns="smNativeData" val="SMDATA_17_JtjWYhMAAAAlAAAAEQAAAC0AAAAAkAAAAEgAAACQAAAASAAAAAAAAAAAAAAAAAAAAAEAAABQAAAAAAAAAAAA4D8AAAAAAADgPwAAAAAAAOA/AAAAAAAA4D8AAAAAAADgPwAAAAAAAOA/AAAAAAAA4D8AAAAAAADgPwAAAAAAAOA/AAAAAAAA4D8CAAAAjAAAAAAAAAAAAAAAT4G9DP///wgAAAAAAAAAAAAAAAAAAAAAAAAAAAAAAAAAAAAAZAAAAAEAAABAAAAAAAAAAAAAAAAAAAAAAAAAAAAAAAAAAAAAAAAAAAAAAAAAAAAAAAAAAAAAAAAAAAAAAAAAAAAAAAAAAAAAAAAAAAAAAAAAAAAAAAAAAAAAAAAAAAAAFAAAADwAAAAAAAAAAAAAAAAAAAkUAAAAAQAAABQAAAAUAAAAFAAAAAEAAAAAAAAAZAAAAGQAAAAAAAAAZAAAAGQAAAAVAAAAYAAAAAAAAAAAAAAADwAAACADAAAAAAAAAAAAAAEAAACgMgAAVgcAAKr4//8BAAAAf39/AAEAAABkAAAAAAAAABQAAABAHwAAAAAAACYAAAAAAAAAwOD//wAAAAAmAAAAZAAAABYAAABMAAAAAAAAAAAAAAAEAAAAAAAAAAEAAADu7OEKAAAAACgAAAAoAAAAZAAAAGQAAAAAAAAAzMzMAAAAAABQAAAAUAAAAGQAAABkAAAAAAAAAAcAAAA4AAAAAAAAAAAAAAAAAAAA////AAAAAAAAAAAAAAAAAIoCAAAAAAAAbhMAAAAAAABkAAAAZAAAAAAAAAAjAAAABAAAAGQAAAAXAAAAFAAAAAAAAAAAAAAA/38AAP9/AAAAAAAACQAAAAQAAABo08erHgAAAGgAAAAAAAAAAAAAAAAAAAAAAAAAAAAAABAnAAAQJwAAAAAAAAAAAAAAAAAAAAAAAAAAAAAAAAAAAAAAAAAAAAAUAAAAAAAAAMDA/wAAAAAAZAAAADIAAAAAAAAAZAAAAAAAAAB/f38ACgAAACIAAAAYAAAAAAAAAAAAAAAAAAAAAAAAAAAAAAAAAAAAJAAAACQAAAAAAAAABwAAAAAAAAAAAAAAAAAAAAAAAAAAAAAAAAAAAH9/fwAlAAAAWAAAAAAAAAAAAAAAAAAAAAAAAAAAAAAAAAAAAAAAAAAAAAAAAAAAAAAAAAAAAAAAPwAAAAAAAACghgEAAAAAAAAAAAAAAAAADAAAAAEAAAAAAAAAAAAAAAAAAAAfAAAAVAAAAE+BvQX///8BAAAAAAAAAAAAAAAAAAAAAAAAAAAAAAAAAAAAAAAAAAAAAAACf39/AO7s4QPMzMwAwMD/AH9/fwAAAAAAAAAAAAAAAAD///8AAAAAACEAAAAYAAAAFAAAABMdAABYGwAA3DIAAMUnAAAAAAAAJgAAAAgAAAD//////////w=="/>
+                  <pr:smNativeData xmlns:pr="smNativeData" xmlns="smNativeData" val="SMDATA_17_iunWYhMAAAAlAAAAEQAAAC0AAAAAkAAAAEgAAACQAAAASAAAAAAAAAAAAAAAAAAAAAEAAABQAAAAAAAAAAAA4D8AAAAAAADgPwAAAAAAAOA/AAAAAAAA4D8AAAAAAADgPwAAAAAAAOA/AAAAAAAA4D8AAAAAAADgPwAAAAAAAOA/AAAAAAAA4D8CAAAAjAAAAAAAAAAAAAAAT4G9DP///wgAAAAAAAAAAAAAAAAAAAAAAAAAAAAAAAAAAAAAZAAAAAEAAABAAAAAAAAAAAAAAAAAAAAAAAAAAAAAAAAAAAAAAAAAAAAAAAAAAAAAAAAAAAAAAAAAAAAAAAAAAAAAAAAAAAAAAAAAAAAAAAAAAAAAAAAAAAAAAAAAAAAAFAAAADwAAAAAAAAAAAAAAAAAAAkUAAAAAQAAABQAAAAUAAAAFAAAAAEAAAAAAAAAZAAAAGQAAAAAAAAAZAAAAGQAAAAVAAAAYAAAAAAAAAAAAAAADwAAACADAAAAAAAAAAAAAAEAAACgMgAAVgcAAKr4//8BAAAAf39/AAEAAABkAAAAAAAAABQAAABAHwAAAAAAACYAAAAAAAAAwOD//wAAAAAmAAAAZAAAABYAAABMAAAAAAAAAAAAAAAEAAAAAAAAAAEAAADu7OEKAAAAACgAAAAoAAAAZAAAAGQAAAAAAAAAzMzMAAAAAABQAAAAUAAAAGQAAABkAAAAAAAAAAcAAAA4AAAAAAAAAAAAAAAAAAAA////AAAAAAAAAAAAAAAAAIoCAAAAAAAAbhMAAAAAAABkAAAAZAAAAAAAAAAjAAAABAAAAGQAAAAXAAAAFAAAAAAAAAAAAAAA/38AAP9/AAAAAAAACQAAAAQAAABo08erHgAAAGgAAAAAAAAAAAAAAAAAAAAAAAAAAAAAABAnAAAQJwAAAAAAAAAAAAAAAAAAAAAAAAAAAAAAAAAAAAAAAAAAAAAUAAAAAAAAAMDA/wAAAAAAZAAAADIAAAAAAAAAZAAAAAAAAAB/f38ACgAAACIAAAAYAAAAAAAAAAAAAAAAAAAAAAAAAAAAAAAAAAAAJAAAACQAAAAAAAAABwAAAAAAAAAAAAAAAAAAAAAAAAAAAAAAAAAAAH9/fwAlAAAAWAAAAAAAAAAAAAAAAAAAAAAAAAAAAAAAAAAAAAAAAAAAAAAAAAAAAAAAAAAAAAAAPwAAAAAAAACghgEAAAAAAAAAAAAAAAAADAAAAAEAAAAAAAAAAAAAAAAAAAAfAAAAVAAAAE+BvQX///8BAAAAAAAAAAAAAAAAAAAAAAAAAAAAAAAAAAAAAAAAAAAAAAACf39/AO7s4QPMzMwAwMD/AH9/fwAAAAAAAAAAAAAAAAD///8AAAAAACEAAAAYAAAAFAAAABMdAABYGwAA3DIAAMUnAAAAAAAAJgAAAAgAAAD//////////w=="/>
                 </a:ext>
               </a:extLst>
             </p:cNvPicPr>
@@ -15453,7 +15648,7 @@
             <p:cNvSpPr>
               <a:extLst>
                 <a:ext uri="smNativeData">
-                  <pr:smNativeData xmlns:pr="smNativeData" xmlns="smNativeData" val="SMDATA_15_JtjWYhMAAAAlAAAAZAAAAE0AAAAAkAAAAEgAAACQAAAASAAAAAAAAAAAAAAAAAAAAAEAAABQAAAAAAAAAAAA4D8AAAAAAADgPwAAAAAAAOA/AAAAAAAA4D8AAAAAAADgPwAAAAAAAOA/AAAAAAAA4D8AAAAAAADgPwAAAAAAAOA/AAAAAAAA4D8CAAAAjAAAAAAAAAAAAAAAT4G9DP///wgAAAAAAAAAAAAAAAAAAAAAAAAAAAAAAAAAAAAAZAAAAAEAAABAAAAAAAAAAAAAAAAAAAAAAAAAAAAAAAAAAAAAAAAAAAAAAAAAAAAAAAAAAAAAAAAAAAAAAAAAAAAAAAAAAAAAAAAAAAAAAAAAAAAAAAAAAAAAAAAAAAAAFAAAADwAAAAAAAAAAAAAAAAAAAAPAAAAAQAAACMAAAAjAAAAIwAAAB4AAAAAAAAAZAAAAGQAAAAAAAAAZAAAAGQAAAAVAAAAYAAAAAAAAAAAAAAADwAAACADAAAAAAAAAAAAAAEAAACgMgAAVgcAAKr4//8BAAAAf39/AAEAAABkAAAAAAAAABQAAABAHwAAAAAAACYAAAAAAAAAwOD//wAAAAAmAAAAZAAAABYAAABMAAAAAAAAAAAAAAAEAAAAAAAAAAEAAADu7OEKAAAAACgAAAAoAAAAZAAAAGQAAAAAAAAAzMzMAAAAAABQAAAAUAAAAGQAAABkAAAAAAAAABcAAAAUAAAAAAAAAAAAAAD/fwAA/38AAAAAAAAJAAAABAAAAEiCwKseAAAAaAAAAAAAAAAAAAAAAAAAAAAAAAAAAAAAECcAABAnAAAAAAAAAAAAAAAAAAAAAAAAAAAAAAAAAAAAAAAAAAAAABQAAAAAAAAAwMD/AAAAAABkAAAAMgAAAAAAAABkAAAAAAAAAH9/fwAKAAAAIgAAABgAAAAAAAAAAAAAAAAAAAAAAAAAAAAAAAAAAAAkAAAAJAAAAAAAAAAHAAAAAAAAAAAAAAAAAAAAAAAAAAAAAAAAAAAAf39/ACUAAABYAAAAAAAAAAAAAAAAAAAAAAAAAAAAAAAAAAAAAAAAAAAAAAAAAAAAAAAAAAAAAAA/AAAAAAAAAKCGAQAAAAAAAAAAAAAAAAAMAAAAAQAAAAAAAAAAAAAAAAAAAB8AAABUAAAAT4G9Bf///wEAAAAAAAAAAAAAAAAAAAAAAAAAAAAAAAAAAAAAAAAAAAAAAAB/f38A7uzhA8zMzADAwP8Af39/AAAAAAAAAAAAAAAAAAAAAAAAAAAAIQAAABgAAAAUAAAARS8AAMsiAADxMgAAECUAAAAgAAAmAAAACAAAAP//////////"/>
+                  <pr:smNativeData xmlns:pr="smNativeData" xmlns="smNativeData" val="SMDATA_15_iunWYhMAAAAlAAAAZAAAAE0AAAAAkAAAAEgAAACQAAAASAAAAAAAAAAAAAAAAAAAAAEAAABQAAAAAAAAAAAA4D8AAAAAAADgPwAAAAAAAOA/AAAAAAAA4D8AAAAAAADgPwAAAAAAAOA/AAAAAAAA4D8AAAAAAADgPwAAAAAAAOA/AAAAAAAA4D8CAAAAjAAAAAAAAAAAAAAAT4G9DP///wgAAAAAAAAAAAAAAAAAAAAAAAAAAAAAAAAAAAAAZAAAAAEAAABAAAAAAAAAAAAAAAAAAAAAAAAAAAAAAAAAAAAAAAAAAAAAAAAAAAAAAAAAAAAAAAAAAAAAAAAAAAAAAAAAAAAAAAAAAAAAAAAAAAAAAAAAAAAAAAAAAAAAFAAAADwAAAAAAAAAAAAAAAAAAAAPAAAAAQAAACMAAAAjAAAAIwAAAB4AAAAAAAAAZAAAAGQAAAAAAAAAZAAAAGQAAAAVAAAAYAAAAAAAAAAAAAAADwAAACADAAAAAAAAAAAAAAEAAACgMgAAVgcAAKr4//8BAAAAf39/AAEAAABkAAAAAAAAABQAAABAHwAAAAAAACYAAAAAAAAAwOD//wAAAAAmAAAAZAAAABYAAABMAAAAAAAAAAAAAAAEAAAAAAAAAAEAAADu7OEKAAAAACgAAAAoAAAAZAAAAGQAAAAAAAAAzMzMAAAAAABQAAAAUAAAAGQAAABkAAAAAAAAABcAAAAUAAAAAAAAAAAAAAD/fwAA/38AAAAAAAAJAAAABAAAAEiCwKseAAAAaAAAAAAAAAAAAAAAAAAAAAAAAAAAAAAAECcAABAnAAAAAAAAAAAAAAAAAAAAAAAAAAAAAAAAAAAAAAAAAAAAABQAAAAAAAAAwMD/AAAAAABkAAAAMgAAAAAAAABkAAAAAAAAAH9/fwAKAAAAIgAAABgAAAAAAAAAAAAAAAAAAAAAAAAAAAAAAAAAAAAkAAAAJAAAAAAAAAAHAAAAAAAAAAAAAAAAAAAAAAAAAAAAAAAAAAAAf39/ACUAAABYAAAAAAAAAAAAAAAAAAAAAAAAAAAAAAAAAAAAAAAAAAAAAAAAAAAAAAAAAAAAAAA/AAAAAAAAAKCGAQAAAAAAAAAAAAAAAAAMAAAAAQAAAAAAAAAAAAAAAAAAAB8AAABUAAAAT4G9Bf///wEAAAAAAAAAAAAAAAAAAAAAAAAAAAAAAAAAAAAAAAAAAAAAAAB/f38A7uzhA8zMzADAwP8Af39/AAAAAAAAAAAAAAAAAAAAAAAAAAAAIQAAABgAAAAUAAAARS8AAMsiAADxMgAAECUAAAAgAAAmAAAACAAAAP//////////"/>
                 </a:ext>
               </a:extLst>
             </p:cNvSpPr>
@@ -15494,7 +15689,7 @@
             <a:spLocks noGrp="1" noChangeArrowheads="1"/>
             <a:extLst>
               <a:ext uri="smNativeData">
-                <pr:smNativeData xmlns:pr="smNativeData" xmlns="smNativeData" val="SMDATA_15_JtjWYhMAAAAlAAAAZAAAAA0AAAAAkAAAAEgAAACQAAAASAAAAAAAAAABAAAAAAAAAAEAAABQAAAAAAAAAAAA4D8AAAAAAADgPwAAAAAAAOA/AAAAAAAA4D8AAAAAAADgPwAAAAAAAOA/AAAAAAAA4D8AAAAAAADgPwAAAAAAAOA/AAAAAAAA4D8CAAAAjAAAAAAAAAAAAAAAT4G9DP///wgAAAAAAAAAAAAAAAAAAAAAAAAAAAAAAAAAAAAAZAAAAAEAAABAAAAAAAAAAAAAAAAAAAAAAAAAAAAAAAAAAAAAAAAAAAAAAAAAAAAAAAAAAAAAAAAAAAAAAAAAAAAAAAAAAAAAAAAAAAAAAAAAAAAAAAAAAAAAAAAAAAAAFAAAADwAAAAAAAAAAAAAAAAAAAkUAAAAAQAAABQAAAAUAAAAFAAAAAEAAAAAAAAAZAAAAGQAAAAAAAAAZAAAAGQAAAAVAAAAYAAAAAAAAAAAAAAADwAAACADAAAAAAAAAAAAAAEAAACgMgAAVgcAAKr4//8BAAAAf39/AAEAAABkAAAAAAAAABQAAABAHwAAAAAAACYAAAAAAAAAwOD//wAAAAAmAAAAZAAAABYAAABMAAAAAAAAAAAAAAAEAAAAAAAAAAEAAADu7OEKAAAAACgAAAAoAAAAZAAAAGQAAAAAAAAAzMzMAAAAAABQAAAAUAAAAGQAAABkAAAAAAAAABcAAAAUAAAAAAAAAAAAAAD/fwAA/38AAAAAAAAJAAAABAAAAAAAAAAeAAAAaAAAAAAAAAAAAAAAAAAAAAAAAAAAAAAAECcAABAnAAAAAAAAAAAAAAAAAAAAAAAAAAAAAAAAAAAAAAAAAAAAABQAAAAAAAAAwMD/AAAAAABkAAAAMgAAAAAAAABkAAAAAAAAAH9/fwAKAAAAIgAAABgAAAAAAAAAAAAAAAAAAAAAAAAAAAAAAAAAAAAkAAAAJAAAAAAAAAAHAAAAAAAAAAAAAAAAAAAAAAAAAAAAAAAAAAAAf39/ACUAAABYAAAAAAAAAAAAAAAAAAAAAAAAAAAAAAAAAAAAAAAAAAAAAAAAAAAAAAAAAAAAAAA/AAAAAAAAAKCGAQAAAAAAAAAAAAAAAAAMAAAAAQAAAAAAAAAAAAAAAAAAAB8AAABUAAAAT4G9Bf///wEAAAAAAAAAAAAAAAAAAAAAAAAAAAAAAAAAAAAAAAAAAAAAAAJ/f38A7uzhA8zMzADAwP8Af39/AAAAAAAAAAAAAAAAAAAAAAAAAAAAIQAAABgAAAAUAAAAAAAAAFz+//9AOAAAXAMAABAAAAAmAAAACAAAAAEgAAAAAAAA"/>
+                <pr:smNativeData xmlns:pr="smNativeData" xmlns="smNativeData" val="SMDATA_15_iunWYhMAAAAlAAAAZAAAAA0AAAAAkAAAAEgAAACQAAAASAAAAAAAAAABAAAAAAAAAAEAAABQAAAAAAAAAAAA4D8AAAAAAADgPwAAAAAAAOA/AAAAAAAA4D8AAAAAAADgPwAAAAAAAOA/AAAAAAAA4D8AAAAAAADgPwAAAAAAAOA/AAAAAAAA4D8CAAAAjAAAAAAAAAAAAAAAT4G9DP///wgAAAAAAAAAAAAAAAAAAAAAAAAAAAAAAAAAAAAAZAAAAAEAAABAAAAAAAAAAAAAAAAAAAAAAAAAAAAAAAAAAAAAAAAAAAAAAAAAAAAAAAAAAAAAAAAAAAAAAAAAAAAAAAAAAAAAAAAAAAAAAAAAAAAAAAAAAAAAAAAAAAAAFAAAADwAAAAAAAAAAAAAAAAAAAkUAAAAAQAAABQAAAAUAAAAFAAAAAEAAAAAAAAAZAAAAGQAAAAAAAAAZAAAAGQAAAAVAAAAYAAAAAAAAAAAAAAADwAAACADAAAAAAAAAAAAAAEAAACgMgAAVgcAAKr4//8BAAAAf39/AAEAAABkAAAAAAAAABQAAABAHwAAAAAAACYAAAAAAAAAwOD//wAAAAAmAAAAZAAAABYAAABMAAAAAAAAAAAAAAAEAAAAAAAAAAEAAADu7OEKAAAAACgAAAAoAAAAZAAAAGQAAAAAAAAAzMzMAAAAAABQAAAAUAAAAGQAAABkAAAAAAAAABcAAAAUAAAAAAAAAAAAAAD/fwAA/38AAAAAAAAJAAAABAAAAAAAAAAeAAAAaAAAAAAAAAAAAAAAAAAAAAAAAAAAAAAAECcAABAnAAAAAAAAAAAAAAAAAAAAAAAAAAAAAAAAAAAAAAAAAAAAABQAAAAAAAAAwMD/AAAAAABkAAAAMgAAAAAAAABkAAAAAAAAAH9/fwAKAAAAIgAAABgAAAAAAAAAAAAAAAAAAAAAAAAAAAAAAAAAAAAkAAAAJAAAAAAAAAAHAAAAAAAAAAAAAAAAAAAAAAAAAAAAAAAAAAAAf39/ACUAAABYAAAAAAAAAAAAAAAAAAAAAAAAAAAAAAAAAAAAAAAAAAAAAAAAAAAAAAAAAAAAAAA/AAAAAAAAAKCGAQAAAAAAAAAAAAAAAAAMAAAAAQAAAAAAAAAAAAAAAAAAAB8AAABUAAAAT4G9Bf///wEAAAAAAAAAAAAAAAAAAAAAAAAAAAAAAAAAAAAAAAAAAAAAAAJ/f38A7uzhA8zMzADAwP8Af39/AAAAAAAAAAAAAAAAAAAAAAAAAAAAIQAAABgAAAAUAAAAAAAAAFz+//9AOAAAXAMAABAAAAAmAAAACAAAAAEgAAAAAAAA"/>
               </a:ext>
             </a:extLst>
           </p:cNvSpPr>
@@ -15542,7 +15737,7 @@
 </p:sld>
 </file>
 
-<file path=ppt/slides/slide45.xml><?xml version="1.0" encoding="utf-8"?>
+<file path=ppt/slides/slide46.xml><?xml version="1.0" encoding="utf-8"?>
 <p:sld xmlns:p="http://schemas.openxmlformats.org/presentationml/2006/main" xmlns:mc="http://schemas.openxmlformats.org/markup-compatibility/2006" xmlns:p14="http://schemas.microsoft.com/office/powerpoint/2010/main" xmlns:p15="http://schemas.microsoft.com/office/powerpoint/2012/main" xmlns:r="http://schemas.openxmlformats.org/officeDocument/2006/relationships" xmlns:a="http://schemas.openxmlformats.org/drawingml/2006/main" mc:Ignorable="p14" show="0">
   <p:cSld>
     <p:spTree>
@@ -15566,7 +15761,7 @@
             <a:spLocks noGrp="1" noChangeArrowheads="1"/>
             <a:extLst>
               <a:ext uri="smNativeData">
-                <pr:smNativeData xmlns:pr="smNativeData" xmlns="smNativeData" val="SMDATA_15_JtjWYhMAAAAlAAAAZAAAAA0AAAAAkAAAAEgAAACQAAAASAAAAAAAAAABAAAAAAAAAAEAAABQAAAAAAAAAAAA4D8AAAAAAADgPwAAAAAAAOA/AAAAAAAA4D8AAAAAAADgPwAAAAAAAOA/AAAAAAAA4D8AAAAAAADgPwAAAAAAAOA/AAAAAAAA4D8CAAAAjAAAAAAAAAAAAAAAT4G9DP///wgAAAAAAAAAAAAAAAAAAAAAAAAAAAAAAAAAAAAAZAAAAAEAAABAAAAAAAAAAAAAAAAAAAAAAAAAAAAAAAAAAAAAAAAAAAAAAAAAAAAAAAAAAAAAAAAAAAAAAAAAAAAAAAAAAAAAAAAAAAAAAAAAAAAAAAAAAAAAAAAAAAAAFAAAADwAAAAAAAAAAAAAAAAAAAkUAAAAAQAAABQAAAAUAAAAFAAAAAEAAAAAAAAAZAAAAGQAAAAAAAAAZAAAAGQAAAAVAAAAYAAAAAAAAAAAAAAADwAAACADAAAAAAAAAAAAAAEAAACgMgAAVgcAAKr4//8BAAAAf39/AAEAAABkAAAAAAAAABQAAABAHwAAAAAAACYAAAAAAAAAwOD//wAAAAAmAAAAZAAAABYAAABMAAAAAAAAAAAAAAAEAAAAAAAAAAEAAADu7OEKAAAAACgAAAAoAAAAZAAAAGQAAAAAAAAAzMzMAAAAAABQAAAAUAAAAGQAAABkAAAAAAAAABcAAAAUAAAAAAAAAAAAAAD/fwAA/38AAAAAAAAJAAAABAAAAEFCZ0EeAAAAaAAAAAAAAAAAAAAAAAAAAAAAAAAAAAAAECcAABAnAAAAAAAAAAAAAAAAAAAAAAAAAAAAAAAAAAAAAAAAAAAAABQAAAAAAAAAwMD/AAAAAABkAAAAMgAAAAAAAABkAAAAAAAAAH9/fwAKAAAAIgAAABgAAAAAAAAAAAAAAAAAAAAAAAAAAAAAAAAAAAAkAAAAJAAAAAAAAAAHAAAAAAAAAAAAAAAAAAAAAAAAAAAAAAAAAAAAf39/ACUAAABYAAAAAAAAAAAAAAAAAAAAAAAAAAAAAAAAAAAAAAAAAAAAAAAAAAAAAAAAAAAAAAA/AAAAAAAAAKCGAQAAAAAAAAAAAAAAAAAMAAAAAQAAAAAAAAAAAAAAAAAAAB8AAABUAAAAT4G9Bf///wEAAAAAAAAAAAAAAAAAAAAAAAAAAAAAAAAAAAAAAAAAAAAAAAJ/f38A7uzhA8zMzADAwP8Af39/AAAAAAAAAAAAAAAAAAAAAAAAAAAAIQAAABgAAAAUAAAA0AIAALEBAABwNQAAuQgAABAAAAAmAAAACAAAAAAAAAAAAAAA"/>
+                <pr:smNativeData xmlns:pr="smNativeData" xmlns="smNativeData" val="SMDATA_15_iunWYhMAAAAlAAAAZAAAAA0AAAAAkAAAAEgAAACQAAAASAAAAAAAAAABAAAAAAAAAAEAAABQAAAAAAAAAAAA4D8AAAAAAADgPwAAAAAAAOA/AAAAAAAA4D8AAAAAAADgPwAAAAAAAOA/AAAAAAAA4D8AAAAAAADgPwAAAAAAAOA/AAAAAAAA4D8CAAAAjAAAAAAAAAAAAAAAT4G9DP///wgAAAAAAAAAAAAAAAAAAAAAAAAAAAAAAAAAAAAAZAAAAAEAAABAAAAAAAAAAAAAAAAAAAAAAAAAAAAAAAAAAAAAAAAAAAAAAAAAAAAAAAAAAAAAAAAAAAAAAAAAAAAAAAAAAAAAAAAAAAAAAAAAAAAAAAAAAAAAAAAAAAAAFAAAADwAAAAAAAAAAAAAAAAAAAkUAAAAAQAAABQAAAAUAAAAFAAAAAEAAAAAAAAAZAAAAGQAAAAAAAAAZAAAAGQAAAAVAAAAYAAAAAAAAAAAAAAADwAAACADAAAAAAAAAAAAAAEAAACgMgAAVgcAAKr4//8BAAAAf39/AAEAAABkAAAAAAAAABQAAABAHwAAAAAAACYAAAAAAAAAwOD//wAAAAAmAAAAZAAAABYAAABMAAAAAAAAAAAAAAAEAAAAAAAAAAEAAADu7OEKAAAAACgAAAAoAAAAZAAAAGQAAAAAAAAAzMzMAAAAAABQAAAAUAAAAGQAAABkAAAAAAAAABcAAAAUAAAAAAAAAAAAAAD/fwAA/38AAAAAAAAJAAAABAAAAEFCZ0EeAAAAaAAAAAAAAAAAAAAAAAAAAAAAAAAAAAAAECcAABAnAAAAAAAAAAAAAAAAAAAAAAAAAAAAAAAAAAAAAAAAAAAAABQAAAAAAAAAwMD/AAAAAABkAAAAMgAAAAAAAABkAAAAAAAAAH9/fwAKAAAAIgAAABgAAAAAAAAAAAAAAAAAAAAAAAAAAAAAAAAAAAAkAAAAJAAAAAAAAAAHAAAAAAAAAAAAAAAAAAAAAAAAAAAAAAAAAAAAf39/ACUAAABYAAAAAAAAAAAAAAAAAAAAAAAAAAAAAAAAAAAAAAAAAAAAAAAAAAAAAAAAAAAAAAA/AAAAAAAAAKCGAQAAAAAAAAAAAAAAAAAMAAAAAQAAAAAAAAAAAAAAAAAAAB8AAABUAAAAT4G9Bf///wEAAAAAAAAAAAAAAAAAAAAAAAAAAAAAAAAAAAAAAAAAAAAAAAJ/f38A7uzhA8zMzADAwP8Af39/AAAAAAAAAAAAAAAAAAAAAAAAAAAAIQAAABgAAAAUAAAA0AIAALEBAABwNQAAuQgAABAAAAAmAAAACAAAAAAAAAAAAAAA"/>
               </a:ext>
             </a:extLst>
           </p:cNvSpPr>
@@ -15595,7 +15790,7 @@
             <a:spLocks noGrp="1" noChangeArrowheads="1"/>
             <a:extLst>
               <a:ext uri="smNativeData">
-                <pr:smNativeData xmlns:pr="smNativeData" xmlns="smNativeData" val="SMDATA_15_JtjWYhMAAAAlAAAAZAAAAA0AAAAAkAAAAEgAAACQAAAASAAAAAAAAAAAAAAAAAAAAAEAAABQAAAAAAAAAAAA4D8AAAAAAADgPwAAAAAAAOA/AAAAAAAA4D8AAAAAAADgPwAAAAAAAOA/AAAAAAAA4D8AAAAAAADgPwAAAAAAAOA/AAAAAAAA4D8CAAAAjAAAAAAAAAAAAAAAT4G9DP///wgAAAAAAAAAAAAAAAAAAAAAAAAAAAAAAAAAAAAAZAAAAAEAAABAAAAAAAAAAAAAAAAAAAAAAAAAAAAAAAAAAAAAAAAAAAAAAAAAAAAAAAAAAAAAAAAAAAAAAAAAAAAAAAAAAAAAAAAAAAAAAAAAAAAAAAAAAAAAAAAAAAAAFAAAADwAAAAAAAAAAAAAAAAAAAkUAAAAAQAAABQAAAAUAAAAFAAAAAEAAAAAAAAAZAAAAGQAAAAAAAAAZAAAAGQAAAAVAAAAYAAAAAAAAAAAAAAADwAAACADAAAAAAAAAAAAAAEAAACgMgAAVgcAAKr4//8BAAAAf39/AAEAAABkAAAAAAAAABQAAABAHwAAAAAAACYAAAAAAAAAwOD//wAAAAAmAAAAZAAAABYAAABMAAAAAAAAAAAAAAAEAAAAAAAAAAEAAADu7OEKAAAAACgAAAAoAAAAZAAAAGQAAAAAAAAAzMzMAAAAAABQAAAAUAAAAGQAAABkAAAAAAAAABcAAAAUAAAAAAAAAAAAAAD/fwAA/38AAAAAAAAJAAAABAAAAIhXzAIeAAAAaAAAAAAAAAAAAAAAAAAAAAAAAAAAAAAAECcAABAnAAAAAAAAAAAAAAAAAAAAAAAAAAAAAAAAAAAAAAAAAAAAABQAAAAAAAAAwMD/AAAAAABkAAAAMgAAAAAAAABkAAAAAAAAAH9/fwAKAAAAIgAAABgAAAAAAAAAAAAAAAAAAAAAAAAAAAAAAAAAAAAkAAAAJAAAAAAAAAAHAAAAAAAAAAAAAAAAAAAAAAAAAAAAAAAAAAAAf39/ACUAAABYAAAAAAAAAAAAAAAAAAAAAAAAAAAAAAAAAAAAAAAAAAAAAAAAAAAAAAAAAAAAAAA/AAAAAAAAAKCGAQAAAAAAAAAAAAAAAAAMAAAAAQAAAAAAAAAAAAAAAAAAAB8AAABUAAAAT4G9Bf///wEAAAAAAAAAAAAAAAAAAAAAAAAAAAAAAAAAAAAAAAAAAAAAAAJ/f38A7uzhA8zMzADAwP8Af39/AAAAAAAAAAAAAAAAAAAAAAAAAAAAIQAAABgAAAAUAAAA0AIAANgJAABwNQAAKCgAABAAAAAmAAAACAAAAAEgAAAAAAAA"/>
+                <pr:smNativeData xmlns:pr="smNativeData" xmlns="smNativeData" val="SMDATA_15_iunWYhMAAAAlAAAAZAAAAA0AAAAAkAAAAEgAAACQAAAASAAAAAAAAAAAAAAAAAAAAAEAAABQAAAAAAAAAAAA4D8AAAAAAADgPwAAAAAAAOA/AAAAAAAA4D8AAAAAAADgPwAAAAAAAOA/AAAAAAAA4D8AAAAAAADgPwAAAAAAAOA/AAAAAAAA4D8CAAAAjAAAAAAAAAAAAAAAT4G9DP///wgAAAAAAAAAAAAAAAAAAAAAAAAAAAAAAAAAAAAAZAAAAAEAAABAAAAAAAAAAAAAAAAAAAAAAAAAAAAAAAAAAAAAAAAAAAAAAAAAAAAAAAAAAAAAAAAAAAAAAAAAAAAAAAAAAAAAAAAAAAAAAAAAAAAAAAAAAAAAAAAAAAAAFAAAADwAAAAAAAAAAAAAAAAAAAkUAAAAAQAAABQAAAAUAAAAFAAAAAEAAAAAAAAAZAAAAGQAAAAAAAAAZAAAAGQAAAAVAAAAYAAAAAAAAAAAAAAADwAAACADAAAAAAAAAAAAAAEAAACgMgAAVgcAAKr4//8BAAAAf39/AAEAAABkAAAAAAAAABQAAABAHwAAAAAAACYAAAAAAAAAwOD//wAAAAAmAAAAZAAAABYAAABMAAAAAAAAAAAAAAAEAAAAAAAAAAEAAADu7OEKAAAAACgAAAAoAAAAZAAAAGQAAAAAAAAAzMzMAAAAAABQAAAAUAAAAGQAAABkAAAAAAAAABcAAAAUAAAAAAAAAAAAAAD/fwAA/38AAAAAAAAJAAAABAAAAIhXzAIeAAAAaAAAAAAAAAAAAAAAAAAAAAAAAAAAAAAAECcAABAnAAAAAAAAAAAAAAAAAAAAAAAAAAAAAAAAAAAAAAAAAAAAABQAAAAAAAAAwMD/AAAAAABkAAAAMgAAAAAAAABkAAAAAAAAAH9/fwAKAAAAIgAAABgAAAAAAAAAAAAAAAAAAAAAAAAAAAAAAAAAAAAkAAAAJAAAAAAAAAAHAAAAAAAAAAAAAAAAAAAAAAAAAAAAAAAAAAAAf39/ACUAAABYAAAAAAAAAAAAAAAAAAAAAAAAAAAAAAAAAAAAAAAAAAAAAAAAAAAAAAAAAAAAAAA/AAAAAAAAAKCGAQAAAAAAAAAAAAAAAAAMAAAAAQAAAAAAAAAAAAAAAAAAAB8AAABUAAAAT4G9Bf///wEAAAAAAAAAAAAAAAAAAAAAAAAAAAAAAAAAAAAAAAAAAAAAAAJ/f38A7uzhA8zMzADAwP8Af39/AAAAAAAAAAAAAAAAAAAAAAAAAAAAIQAAABgAAAAUAAAA0AIAANgJAABwNQAAKCgAABAAAAAmAAAACAAAAAEgAAAAAAAA"/>
               </a:ext>
             </a:extLst>
           </p:cNvSpPr>
@@ -15689,7 +15884,7 @@
             <a:picLocks noChangeAspect="1"/>
             <a:extLst>
               <a:ext uri="smNativeData">
-                <pr:smNativeData xmlns:pr="smNativeData" xmlns="smNativeData" val="SMDATA_17_JtjWYhMAAAAlAAAAEQAAAC0AAAAAkAAAAEgAAACQAAAASAAAAAAAAAAAAAAAAAAAAAEAAABQAAAAAAAAAAAA4D8AAAAAAADgPwAAAAAAAOA/AAAAAAAA4D8AAAAAAADgPwAAAAAAAOA/AAAAAAAA4D8AAAAAAADgPwAAAAAAAOA/AAAAAAAA4D8CAAAAjAAAAAAAAAAAAAAAT4G9DP///wgAAAAAAAAAAAAAAAAAAAAAAAAAAAAAAAAAAAAAZAAAAAEAAABAAAAAAAAAAAAAAAAAAAAAAAAAAAAAAAAAAAAAAAAAAAAAAAAAAAAAAAAAAAAAAAAAAAAAAAAAAAAAAAAAAAAAAAAAAAAAAAAAAAAAAAAAAAAAAAAAAAAAFAAAADwAAAAAAAAAAAAAAAAAAAkUAAAAAQAAABQAAAAUAAAAFAAAAAEAAAAAAAAAZAAAAGQAAAAAAAAAZAAAAGQAAAAVAAAAYAAAAAAAAAAAAAAADwAAACADAAAAAAAAAAAAAAEAAACgMgAAVgcAAKr4//8BAAAAf39/AAEAAABkAAAAAAAAABQAAABAHwAAAAAAACYAAAAAAAAAwOD//wAAAAAmAAAAZAAAABYAAABMAAAAAAAAAAAAAAAEAAAAAAAAAAEAAADu7OEKAAAAACgAAAAoAAAAZAAAAGQAAAAAAAAAzMzMAAAAAABQAAAAUAAAAGQAAABkAAAAAAAAAAcAAAA4AAAAAAAAAAAAAAAAAAAA////AAAAAAAAAAAAAAAAAAAAAAAAAAAAAAAAAAAAAABkAAAAZAAAAAAAAAAjAAAABAAAAGQAAAAXAAAAFAAAAAAAAAAAAAAA/38AAP9/AAAAAAAACQAAAAQAAAAAAAABHgAAAGgAAAAAAAAAAAAAAAAAAAAAAAAAAAAAABAnAAAQJwAAAAAAAAAAAAAAAAAAAAAAAAAAAAAAAAAAAAAAAAAAAAAUAAAAAAAAAMDA/wAAAAAAZAAAADIAAAAAAAAAZAAAAAAAAAB/f38ACgAAACIAAAAYAAAAAAAAAAAAAAAAAAAAAAAAAAAAAAAAAAAAJAAAACQAAAAAAAAABwAAAAAAAAAAAAAAAAAAAAAAAAAAAAAAAAAAAH9/fwAlAAAAWAAAAAAAAAAAAAAAAAAAAAAAAAAAAAAAAAAAAAAAAAAAAAAAAAAAAAAAAAAAAAAAPwAAAAAAAACghgEAAAAAAAAAAAAAAAAADAAAAAEAAAAAAAAAAAAAAAAAAAAfAAAAVAAAAE+BvQX///8BAAAAAAAAAAAAAAAAAAAAAAAAAAAAAAAAAAAAAAAAAAAAAAACf39/AO7s4QPMzMwAwMD/AH9/fwAAAAAAAAAAAAAAAAD///8AAAAAACEAAAAYAAAAFAAAAL8IAAA0BAAApi4AADAqAAAQAAAAJgAAAAgAAAD//////////w=="/>
+                <pr:smNativeData xmlns:pr="smNativeData" xmlns="smNativeData" val="SMDATA_17_iunWYhMAAAAlAAAAEQAAAC0AAAAAkAAAAEgAAACQAAAASAAAAAAAAAAAAAAAAAAAAAEAAABQAAAAAAAAAAAA4D8AAAAAAADgPwAAAAAAAOA/AAAAAAAA4D8AAAAAAADgPwAAAAAAAOA/AAAAAAAA4D8AAAAAAADgPwAAAAAAAOA/AAAAAAAA4D8CAAAAjAAAAAAAAAAAAAAAT4G9DP///wgAAAAAAAAAAAAAAAAAAAAAAAAAAAAAAAAAAAAAZAAAAAEAAABAAAAAAAAAAAAAAAAAAAAAAAAAAAAAAAAAAAAAAAAAAAAAAAAAAAAAAAAAAAAAAAAAAAAAAAAAAAAAAAAAAAAAAAAAAAAAAAAAAAAAAAAAAAAAAAAAAAAAFAAAADwAAAAAAAAAAAAAAAAAAAkUAAAAAQAAABQAAAAUAAAAFAAAAAEAAAAAAAAAZAAAAGQAAAAAAAAAZAAAAGQAAAAVAAAAYAAAAAAAAAAAAAAADwAAACADAAAAAAAAAAAAAAEAAACgMgAAVgcAAKr4//8BAAAAf39/AAEAAABkAAAAAAAAABQAAABAHwAAAAAAACYAAAAAAAAAwOD//wAAAAAmAAAAZAAAABYAAABMAAAAAAAAAAAAAAAEAAAAAAAAAAEAAADu7OEKAAAAACgAAAAoAAAAZAAAAGQAAAAAAAAAzMzMAAAAAABQAAAAUAAAAGQAAABkAAAAAAAAAAcAAAA4AAAAAAAAAAAAAAAAAAAA////AAAAAAAAAAAAAAAAAAAAAAAAAAAAAAAAAAAAAABkAAAAZAAAAAAAAAAjAAAABAAAAGQAAAAXAAAAFAAAAAAAAAAAAAAA/38AAP9/AAAAAAAACQAAAAQAAAAAAAABHgAAAGgAAAAAAAAAAAAAAAAAAAAAAAAAAAAAABAnAAAQJwAAAAAAAAAAAAAAAAAAAAAAAAAAAAAAAAAAAAAAAAAAAAAUAAAAAAAAAMDA/wAAAAAAZAAAADIAAAAAAAAAZAAAAAAAAAB/f38ACgAAACIAAAAYAAAAAAAAAAAAAAAAAAAAAAAAAAAAAAAAAAAAJAAAACQAAAAAAAAABwAAAAAAAAAAAAAAAAAAAAAAAAAAAAAAAAAAAH9/fwAlAAAAWAAAAAAAAAAAAAAAAAAAAAAAAAAAAAAAAAAAAAAAAAAAAAAAAAAAAAAAAAAAAAAAPwAAAAAAAACghgEAAAAAAAAAAAAAAAAADAAAAAEAAAAAAAAAAAAAAAAAAAAfAAAAVAAAAE+BvQX///8BAAAAAAAAAAAAAAAAAAAAAAAAAAAAAAAAAAAAAAAAAAAAAAACf39/AO7s4QPMzMwAwMD/AH9/fwAAAAAAAAAAAAAAAAD///8AAAAAACEAAAAYAAAAFAAAAL8IAAA0BAAApi4AADAqAAAQAAAAJgAAAAgAAAD//////////w=="/>
               </a:ext>
             </a:extLst>
           </p:cNvPicPr>
@@ -15723,7 +15918,7 @@
             <a:spLocks noGrp="1" noChangeArrowheads="1"/>
             <a:extLst>
               <a:ext uri="smNativeData">
-                <pr:smNativeData xmlns:pr="smNativeData" xmlns="smNativeData" val="SMDATA_15_JtjWYhMAAAAlAAAAZAAAAA0AAAAAkAAAAEgAAACQAAAASAAAAAAAAAABAAAAAAAAAAEAAABQAAAAAAAAAAAA4D8AAAAAAADgPwAAAAAAAOA/AAAAAAAA4D8AAAAAAADgPwAAAAAAAOA/AAAAAAAA4D8AAAAAAADgPwAAAAAAAOA/AAAAAAAA4D8CAAAAjAAAAAAAAAAAAAAAT4G9DP///wgAAAAAAAAAAAAAAAAAAAAAAAAAAAAAAAAAAAAAZAAAAAEAAABAAAAAAAAAAAAAAAAAAAAAAAAAAAAAAAAAAAAAAAAAAAAAAAAAAAAAAAAAAAAAAAAAAAAAAAAAAAAAAAAAAAAAAAAAAAAAAAAAAAAAAAAAAAAAAAAAAAAAFAAAADwAAAAAAAAAAAAAAAAAAAkUAAAAAQAAABQAAAAUAAAAFAAAAAEAAAAAAAAAZAAAAGQAAAAAAAAAZAAAAGQAAAAVAAAAYAAAAAAAAAAAAAAADwAAACADAAAAAAAAAAAAAAEAAACgMgAAVgcAAKr4//8BAAAAf39/AAEAAABkAAAAAAAAABQAAABAHwAAAAAAACYAAAAAAAAAwOD//wAAAAAmAAAAZAAAABYAAABMAAAAAAAAAAAAAAAEAAAAAAAAAAEAAADu7OEKAAAAACgAAAAoAAAAZAAAAGQAAAAAAAAAzMzMAAAAAABQAAAAUAAAAGQAAABkAAAAAAAAABcAAAAUAAAAAAAAAAAAAAD/fwAA/38AAAAAAAAJAAAABAAAAC9hOmUeAAAAaAAAAAAAAAAAAAAAAAAAAAAAAAAAAAAAECcAABAnAAAAAAAAAAAAAAAAAAAAAAAAAAAAAAAAAAAAAAAAAAAAABQAAAAAAAAAwMD/AAAAAABkAAAAMgAAAAAAAABkAAAAAAAAAH9/fwAKAAAAIgAAABgAAAAAAAAAAAAAAAAAAAAAAAAAAAAAAAAAAAAkAAAAJAAAAAAAAAAHAAAAAAAAAAAAAAAAAAAAAAAAAAAAAAAAAAAAf39/ACUAAABYAAAAAAAAAAAAAAAAAAAAAAAAAAAAAAAAAAAAAAAAAAAAAAAAAAAAAAAAAAAAAAA/AAAAAAAAAKCGAQAAAAAAAAAAAAAAAAAMAAAAAQAAAAAAAAAAAAAAAAAAAB8AAABUAAAAT4G9Bf///wEAAAAAAAAAAAAAAAAAAAAAAAAAAAAAAAAAAAAAAAAAAAAAAAJ/f38A7uzhA8zMzADAwP8Af39/AAAAAAAAAAAAAAAAAAAAAAAAAAAAIQAAABgAAAAUAAAA3gEAAJ3+//9+NAAApQUAABAAAAAmAAAACAAAAAEAAAAAAAAA"/>
+                <pr:smNativeData xmlns:pr="smNativeData" xmlns="smNativeData" val="SMDATA_15_iunWYhMAAAAlAAAAZAAAAA0AAAAAkAAAAEgAAACQAAAASAAAAAAAAAABAAAAAAAAAAEAAABQAAAAAAAAAAAA4D8AAAAAAADgPwAAAAAAAOA/AAAAAAAA4D8AAAAAAADgPwAAAAAAAOA/AAAAAAAA4D8AAAAAAADgPwAAAAAAAOA/AAAAAAAA4D8CAAAAjAAAAAAAAAAAAAAAT4G9DP///wgAAAAAAAAAAAAAAAAAAAAAAAAAAAAAAAAAAAAAZAAAAAEAAABAAAAAAAAAAAAAAAAAAAAAAAAAAAAAAAAAAAAAAAAAAAAAAAAAAAAAAAAAAAAAAAAAAAAAAAAAAAAAAAAAAAAAAAAAAAAAAAAAAAAAAAAAAAAAAAAAAAAAFAAAADwAAAAAAAAAAAAAAAAAAAkUAAAAAQAAABQAAAAUAAAAFAAAAAEAAAAAAAAAZAAAAGQAAAAAAAAAZAAAAGQAAAAVAAAAYAAAAAAAAAAAAAAADwAAACADAAAAAAAAAAAAAAEAAACgMgAAVgcAAKr4//8BAAAAf39/AAEAAABkAAAAAAAAABQAAABAHwAAAAAAACYAAAAAAAAAwOD//wAAAAAmAAAAZAAAABYAAABMAAAAAAAAAAAAAAAEAAAAAAAAAAEAAADu7OEKAAAAACgAAAAoAAAAZAAAAGQAAAAAAAAAzMzMAAAAAABQAAAAUAAAAGQAAABkAAAAAAAAABcAAAAUAAAAAAAAAAAAAAD/fwAA/38AAAAAAAAJAAAABAAAAC9hOmUeAAAAaAAAAAAAAAAAAAAAAAAAAAAAAAAAAAAAECcAABAnAAAAAAAAAAAAAAAAAAAAAAAAAAAAAAAAAAAAAAAAAAAAABQAAAAAAAAAwMD/AAAAAABkAAAAMgAAAAAAAABkAAAAAAAAAH9/fwAKAAAAIgAAABgAAAAAAAAAAAAAAAAAAAAAAAAAAAAAAAAAAAAkAAAAJAAAAAAAAAAHAAAAAAAAAAAAAAAAAAAAAAAAAAAAAAAAAAAAf39/ACUAAABYAAAAAAAAAAAAAAAAAAAAAAAAAAAAAAAAAAAAAAAAAAAAAAAAAAAAAAAAAAAAAAA/AAAAAAAAAKCGAQAAAAAAAAAAAAAAAAAMAAAAAQAAAAAAAAAAAAAAAAAAAB8AAABUAAAAT4G9Bf///wEAAAAAAAAAAAAAAAAAAAAAAAAAAAAAAAAAAAAAAAAAAAAAAAJ/f38A7uzhA8zMzADAwP8Af39/AAAAAAAAAAAAAAAAAAAAAAAAAAAAIQAAABgAAAAUAAAA3gEAAJ3+//9+NAAApQUAABAAAAAmAAAACAAAAAEAAAAAAAAA"/>
               </a:ext>
             </a:extLst>
           </p:cNvSpPr>
@@ -15789,7 +15984,7 @@
             <a:spLocks noGrp="1" noChangeArrowheads="1"/>
             <a:extLst>
               <a:ext uri="smNativeData">
-                <pr:smNativeData xmlns:pr="smNativeData" xmlns="smNativeData" val="SMDATA_15_JtjWYhMAAAAlAAAAZAAAAA0AAAAAkAAAAEgAAACQAAAASAAAAAAAAAABAAAAAAAAAAEAAABQAAAAAAAAAAAA4D8AAAAAAADgPwAAAAAAAOA/AAAAAAAA4D8AAAAAAADgPwAAAAAAAOA/AAAAAAAA4D8AAAAAAADgPwAAAAAAAOA/AAAAAAAA4D8CAAAAjAAAAAAAAAAAAAAAT4G9DP///wgAAAAAAAAAAAAAAAAAAAAAAAAAAAAAAAAAAAAAZAAAAAEAAABAAAAAAAAAAAAAAAAAAAAAAAAAAAAAAAAAAAAAAAAAAAAAAAAAAAAAAAAAAAAAAAAAAAAAAAAAAAAAAAAAAAAAAAAAAAAAAAAAAAAAAAAAAAAAAAAAAAAAFAAAADwAAAAAAAAAAAAAAAAAAAkUAAAAAQAAABQAAAAUAAAAFAAAAAEAAAAAAAAAZAAAAGQAAAAAAAAAZAAAAGQAAAAVAAAAYAAAAAAAAAAAAAAADwAAACADAAAAAAAAAAAAAAEAAACgMgAAVgcAAKr4//8BAAAAf39/AAEAAABkAAAAAAAAABQAAABAHwAAAAAAACYAAAAAAAAAwOD//wAAAAAmAAAAZAAAABYAAABMAAAAAAAAAAAAAAAEAAAAAAAAAAEAAADu7OEKAAAAACgAAAAoAAAAZAAAAGQAAAAAAAAAzMzMAAAAAABQAAAAUAAAAGQAAABkAAAAAAAAABcAAAAUAAAAAAAAAAAAAAD/fwAA/38AAAAAAAAJAAAABAAAAAAAAAAeAAAAaAAAAAAAAAAAAAAAAAAAAAAAAAAAAAAAECcAABAnAAAAAAAAAAAAAAAAAAAAAAAAAAAAAAAAAAAAAAAAAAAAABQAAAAAAAAAwMD/AAAAAABkAAAAMgAAAAAAAABkAAAAAAAAAH9/fwAKAAAAIgAAABgAAAAAAAAAAAAAAAAAAAAAAAAAAAAAAAAAAAAkAAAAJAAAAAAAAAAHAAAAAAAAAAAAAAAAAAAAAAAAAAAAAAAAAAAAf39/ACUAAABYAAAAAAAAAAAAAAAAAAAAAAAAAAAAAAAAAAAAAAAAAAAAAAAAAAAAAAAAAAAAAAA/AAAAAAAAAKCGAQAAAAAAAAAAAAAAAAAMAAAAAQAAAAAAAAAAAAAAAAAAAB8AAABUAAAAT4G9Bf///wEAAAAAAAAAAAAAAAAAAAAAAAAAAAAAAAAAAAAAAAAAAAAAAAJ/f38A7uzhA8zMzADAwP8Af39/AAAAAAAAAAAAAAAAAAAAAAAAAAAAIQAAABgAAAAUAAAA0AIAAAAAAABwNQAACAcAABAAAAAmAAAACAAAAAEgAAAAAAAA"/>
+                <pr:smNativeData xmlns:pr="smNativeData" xmlns="smNativeData" val="SMDATA_15_iunWYhMAAAAlAAAAZAAAAA0AAAAAkAAAAEgAAACQAAAASAAAAAAAAAABAAAAAAAAAAEAAABQAAAAAAAAAAAA4D8AAAAAAADgPwAAAAAAAOA/AAAAAAAA4D8AAAAAAADgPwAAAAAAAOA/AAAAAAAA4D8AAAAAAADgPwAAAAAAAOA/AAAAAAAA4D8CAAAAjAAAAAAAAAAAAAAAT4G9DP///wgAAAAAAAAAAAAAAAAAAAAAAAAAAAAAAAAAAAAAZAAAAAEAAABAAAAAAAAAAAAAAAAAAAAAAAAAAAAAAAAAAAAAAAAAAAAAAAAAAAAAAAAAAAAAAAAAAAAAAAAAAAAAAAAAAAAAAAAAAAAAAAAAAAAAAAAAAAAAAAAAAAAAFAAAADwAAAAAAAAAAAAAAAAAAAkUAAAAAQAAABQAAAAUAAAAFAAAAAEAAAAAAAAAZAAAAGQAAAAAAAAAZAAAAGQAAAAVAAAAYAAAAAAAAAAAAAAADwAAACADAAAAAAAAAAAAAAEAAACgMgAAVgcAAKr4//8BAAAAf39/AAEAAABkAAAAAAAAABQAAABAHwAAAAAAACYAAAAAAAAAwOD//wAAAAAmAAAAZAAAABYAAABMAAAAAAAAAAAAAAAEAAAAAAAAAAEAAADu7OEKAAAAACgAAAAoAAAAZAAAAGQAAAAAAAAAzMzMAAAAAABQAAAAUAAAAGQAAABkAAAAAAAAABcAAAAUAAAAAAAAAAAAAAD/fwAA/38AAAAAAAAJAAAABAAAAAAAAAAeAAAAaAAAAAAAAAAAAAAAAAAAAAAAAAAAAAAAECcAABAnAAAAAAAAAAAAAAAAAAAAAAAAAAAAAAAAAAAAAAAAAAAAABQAAAAAAAAAwMD/AAAAAABkAAAAMgAAAAAAAABkAAAAAAAAAH9/fwAKAAAAIgAAABgAAAAAAAAAAAAAAAAAAAAAAAAAAAAAAAAAAAAkAAAAJAAAAAAAAAAHAAAAAAAAAAAAAAAAAAAAAAAAAAAAAAAAAAAAf39/ACUAAABYAAAAAAAAAAAAAAAAAAAAAAAAAAAAAAAAAAAAAAAAAAAAAAAAAAAAAAAAAAAAAAA/AAAAAAAAAKCGAQAAAAAAAAAAAAAAAAAMAAAAAQAAAAAAAAAAAAAAAAAAAB8AAABUAAAAT4G9Bf///wEAAAAAAAAAAAAAAAAAAAAAAAAAAAAAAAAAAAAAAAAAAAAAAAJ/f38A7uzhA8zMzADAwP8Af39/AAAAAAAAAAAAAAAAAAAAAAAAAAAAIQAAABgAAAAUAAAA0AIAAAAAAABwNQAACAcAABAAAAAmAAAACAAAAAEgAAAAAAAA"/>
               </a:ext>
             </a:extLst>
           </p:cNvSpPr>
@@ -15830,7 +16025,7 @@
             <a:picLocks noChangeAspect="1"/>
             <a:extLst>
               <a:ext uri="smNativeData">
-                <pr:smNativeData xmlns:pr="smNativeData" xmlns="smNativeData" val="SMDATA_17_JtjWYhMAAAAlAAAAEQAAAC0AAAAAkAAAAEgAAACQAAAASAAAAAAAAAAAAAAAAAAAAAEAAABQAAAAAAAAAAAA4D8AAAAAAADgPwAAAAAAAOA/AAAAAAAA4D8AAAAAAADgPwAAAAAAAOA/AAAAAAAA4D8AAAAAAADgPwAAAAAAAOA/AAAAAAAA4D8CAAAAjAAAAAAAAAAAAAAAT4G9DP///wgAAAAAAAAAAAAAAAAAAAAAAAAAAAAAAAAAAAAAZAAAAAEAAABAAAAAAAAAAAAAAAAAAAAAAAAAAAAAAAAAAAAAAAAAAAAAAAAAAAAAAAAAAAAAAAAAAAAAAAAAAAAAAAAAAAAAAAAAAAAAAAAAAAAAAAAAAAAAAAAAAAAAFAAAADwAAAAAAAAAAAAAAAAAAAkUAAAAAQAAABQAAAAUAAAAFAAAAAEAAAAAAAAAZAAAAGQAAAAAAAAAZAAAAGQAAAAVAAAAYAAAAAAAAAAAAAAADwAAACADAAAAAAAAAAAAAAEAAACgMgAAVgcAAKr4//8BAAAAf39/AAEAAABkAAAAAAAAABQAAABAHwAAAAAAACYAAAAAAAAAwOD//wAAAAAmAAAAZAAAABYAAABMAAAAAAAAAAAAAAAEAAAAAAAAAAEAAADu7OEKAAAAACgAAAAoAAAAZAAAAGQAAAAAAAAAzMzMAAAAAABQAAAAUAAAAGQAAABkAAAAAAAAAAcAAAA4AAAAAAAAAAAAAAAAAAAA////AAAAAAAAAAAAAAAAAAAAAAAAAAAAAAAAAAAAAABkAAAAZAAAAAAAAAAjAAAABAAAAGQAAAAXAAAAFAAAAAAAAAAAAAAA/38AAP9/AAAAAAAACQAAAAQAAAAAAAAAHgAAAGgAAAAAAAAAAAAAAAAAAAAAAAAAAAAAABAnAAAQJwAAAAAAAAAAAAAAAAAAAAAAAAAAAAAAAAAAAAAAAAAAAAAUAAAAAAAAAMDA/wAAAAAAZAAAADIAAAAAAAAAZAAAAAAAAAB/f38ACgAAACIAAAAYAAAAAAAAAAAAAAAAAAAAAAAAAAAAAAAAAAAAJAAAACQAAAAAAAAABwAAAAAAAAAAAAAAAAAAAAAAAAAAAAAAAAAAAH9/fwAlAAAAWAAAAAAAAAAAAAAAAAAAAAAAAAAAAAAAAAAAAAAAAAAAAAAAAAAAAAAAAAAAAAAAPwAAAAAAAACghgEAAAAAAAAAAAAAAAAADAAAAAEAAAAAAAAAAAAAAAAAAAAfAAAAVAAAAE+BvQX///8BAAAAAAAAAAAAAAAAAAAAAAAAAAAAAAAAAAAAAAAAAAAAAAACf39/AO7s4QPMzMwAwMD/AH9/fwAAAAAAAAAAAAAAAAD///8AAAAAACEAAAAYAAAAFAAAAE4BAADiBgAAbDcAADAqAAAQAAAAJgAAAAgAAAD//////////w=="/>
+                <pr:smNativeData xmlns:pr="smNativeData" xmlns="smNativeData" val="SMDATA_17_iunWYhMAAAAlAAAAEQAAAC0AAAAAkAAAAEgAAACQAAAASAAAAAAAAAAAAAAAAAAAAAEAAABQAAAAAAAAAAAA4D8AAAAAAADgPwAAAAAAAOA/AAAAAAAA4D8AAAAAAADgPwAAAAAAAOA/AAAAAAAA4D8AAAAAAADgPwAAAAAAAOA/AAAAAAAA4D8CAAAAjAAAAAAAAAAAAAAAT4G9DP///wgAAAAAAAAAAAAAAAAAAAAAAAAAAAAAAAAAAAAAZAAAAAEAAABAAAAAAAAAAAAAAAAAAAAAAAAAAAAAAAAAAAAAAAAAAAAAAAAAAAAAAAAAAAAAAAAAAAAAAAAAAAAAAAAAAAAAAAAAAAAAAAAAAAAAAAAAAAAAAAAAAAAAFAAAADwAAAAAAAAAAAAAAAAAAAkUAAAAAQAAABQAAAAUAAAAFAAAAAEAAAAAAAAAZAAAAGQAAAAAAAAAZAAAAGQAAAAVAAAAYAAAAAAAAAAAAAAADwAAACADAAAAAAAAAAAAAAEAAACgMgAAVgcAAKr4//8BAAAAf39/AAEAAABkAAAAAAAAABQAAABAHwAAAAAAACYAAAAAAAAAwOD//wAAAAAmAAAAZAAAABYAAABMAAAAAAAAAAAAAAAEAAAAAAAAAAEAAADu7OEKAAAAACgAAAAoAAAAZAAAAGQAAAAAAAAAzMzMAAAAAABQAAAAUAAAAGQAAABkAAAAAAAAAAcAAAA4AAAAAAAAAAAAAAAAAAAA////AAAAAAAAAAAAAAAAAAAAAAAAAAAAAAAAAAAAAABkAAAAZAAAAAAAAAAjAAAABAAAAGQAAAAXAAAAFAAAAAAAAAAAAAAA/38AAP9/AAAAAAAACQAAAAQAAAAAAAAAHgAAAGgAAAAAAAAAAAAAAAAAAAAAAAAAAAAAABAnAAAQJwAAAAAAAAAAAAAAAAAAAAAAAAAAAAAAAAAAAAAAAAAAAAAUAAAAAAAAAMDA/wAAAAAAZAAAADIAAAAAAAAAZAAAAAAAAAB/f38ACgAAACIAAAAYAAAAAAAAAAAAAAAAAAAAAAAAAAAAAAAAAAAAJAAAACQAAAAAAAAABwAAAAAAAAAAAAAAAAAAAAAAAAAAAAAAAAAAAH9/fwAlAAAAWAAAAAAAAAAAAAAAAAAAAAAAAAAAAAAAAAAAAAAAAAAAAAAAAAAAAAAAAAAAAAAAPwAAAAAAAACghgEAAAAAAAAAAAAAAAAADAAAAAEAAAAAAAAAAAAAAAAAAAAfAAAAVAAAAE+BvQX///8BAAAAAAAAAAAAAAAAAAAAAAAAAAAAAAAAAAAAAAAAAAAAAAACf39/AO7s4QPMzMwAwMD/AH9/fwAAAAAAAAAAAAAAAAD///8AAAAAACEAAAAYAAAAFAAAAE4BAADiBgAAbDcAADAqAAAQAAAAJgAAAAgAAAD//////////w=="/>
               </a:ext>
             </a:extLst>
           </p:cNvPicPr>
@@ -15896,7 +16091,7 @@
             <a:spLocks noGrp="1" noChangeArrowheads="1"/>
             <a:extLst>
               <a:ext uri="smNativeData">
-                <pr:smNativeData xmlns:pr="smNativeData" xmlns="smNativeData" val="SMDATA_15_JtjWYhMAAAAlAAAAZAAAAA0AAAAAkAAAAEgAAACQAAAASAAAAAAAAAABAAAAAAAAAAEAAABQAAAAAAAAAAAA4D8AAAAAAADgPwAAAAAAAOA/AAAAAAAA4D8AAAAAAADgPwAAAAAAAOA/AAAAAAAA4D8AAAAAAADgPwAAAAAAAOA/AAAAAAAA4D8CAAAAjAAAAAAAAAAAAAAAT4G9DP///wgAAAAAAAAAAAAAAAAAAAAAAAAAAAAAAAAAAAAAZAAAAAEAAABAAAAAAAAAAAAAAAAAAAAAAAAAAAAAAAAAAAAAAAAAAAAAAAAAAAAAAAAAAAAAAAAAAAAAAAAAAAAAAAAAAAAAAAAAAAAAAAAAAAAAAAAAAAAAAAAAAAAAFAAAADwAAAAAAAAAAAAAAAAAAAkUAAAAAQAAABQAAAAUAAAAFAAAAAEAAAAAAAAAZAAAAGQAAAAAAAAAZAAAAGQAAAAVAAAAYAAAAAAAAAAAAAAADwAAACADAAAAAAAAAAAAAAEAAACgMgAAVgcAAKr4//8BAAAAf39/AAEAAABkAAAAAAAAABQAAABAHwAAAAAAACYAAAAAAAAAwOD//wAAAAAmAAAAZAAAABYAAABMAAAAAAAAAAAAAAAEAAAAAAAAAAEAAADu7OEKAAAAACgAAAAoAAAAZAAAAGQAAAAAAAAAzMzMAAAAAABQAAAAUAAAAGQAAABkAAAAAAAAABcAAAAUAAAAAAAAAAAAAAD/fwAA/38AAAAAAAAJAAAABAAAAAAAAAAeAAAAaAAAAAAAAAAAAAAAAAAAAAAAAAAAAAAAECcAABAnAAAAAAAAAAAAAAAAAAAAAAAAAAAAAAAAAAAAAAAAAAAAABQAAAAAAAAAwMD/AAAAAABkAAAAMgAAAAAAAABkAAAAAAAAAH9/fwAKAAAAIgAAABgAAAAAAAAAAAAAAAAAAAAAAAAAAAAAAAAAAAAkAAAAJAAAAAAAAAAHAAAAAAAAAAAAAAAAAAAAAAAAAAAAAAAAAAAAf39/ACUAAABYAAAAAAAAAAAAAAAAAAAAAAAAAAAAAAAAAAAAAAAAAAAAAAAAAAAAAAAAAAAAAAA/AAAAAAAAAKCGAQAAAAAAAAAAAAAAAAAMAAAAAQAAAAAAAAAAAAAAAAAAAB8AAABUAAAAT4G9Bf///wEAAAAAAAAAAAAAAAAAAAAAAAAAAAAAAAAAAAAAAAAAAAAAAAJ/f38A7uzhA8zMzADAwP8Af39/AAAAAAAAAAAAAAAAAAAAAAAAAAAAIQAAABgAAAAUAAAA0AIAALEBAABwNQAAuQgAABAAAAAmAAAACAAAAAAAAAAAAAAA"/>
+                <pr:smNativeData xmlns:pr="smNativeData" xmlns="smNativeData" val="SMDATA_15_iunWYhMAAAAlAAAAZAAAAA0AAAAAkAAAAEgAAACQAAAASAAAAAAAAAABAAAAAAAAAAEAAABQAAAAAAAAAAAA4D8AAAAAAADgPwAAAAAAAOA/AAAAAAAA4D8AAAAAAADgPwAAAAAAAOA/AAAAAAAA4D8AAAAAAADgPwAAAAAAAOA/AAAAAAAA4D8CAAAAjAAAAAAAAAAAAAAAT4G9DP///wgAAAAAAAAAAAAAAAAAAAAAAAAAAAAAAAAAAAAAZAAAAAEAAABAAAAAAAAAAAAAAAAAAAAAAAAAAAAAAAAAAAAAAAAAAAAAAAAAAAAAAAAAAAAAAAAAAAAAAAAAAAAAAAAAAAAAAAAAAAAAAAAAAAAAAAAAAAAAAAAAAAAAFAAAADwAAAAAAAAAAAAAAAAAAAkUAAAAAQAAABQAAAAUAAAAFAAAAAEAAAAAAAAAZAAAAGQAAAAAAAAAZAAAAGQAAAAVAAAAYAAAAAAAAAAAAAAADwAAACADAAAAAAAAAAAAAAEAAACgMgAAVgcAAKr4//8BAAAAf39/AAEAAABkAAAAAAAAABQAAABAHwAAAAAAACYAAAAAAAAAwOD//wAAAAAmAAAAZAAAABYAAABMAAAAAAAAAAAAAAAEAAAAAAAAAAEAAADu7OEKAAAAACgAAAAoAAAAZAAAAGQAAAAAAAAAzMzMAAAAAABQAAAAUAAAAGQAAABkAAAAAAAAABcAAAAUAAAAAAAAAAAAAAD/fwAA/38AAAAAAAAJAAAABAAAAAAAAAAeAAAAaAAAAAAAAAAAAAAAAAAAAAAAAAAAAAAAECcAABAnAAAAAAAAAAAAAAAAAAAAAAAAAAAAAAAAAAAAAAAAAAAAABQAAAAAAAAAwMD/AAAAAABkAAAAMgAAAAAAAABkAAAAAAAAAH9/fwAKAAAAIgAAABgAAAAAAAAAAAAAAAAAAAAAAAAAAAAAAAAAAAAkAAAAJAAAAAAAAAAHAAAAAAAAAAAAAAAAAAAAAAAAAAAAAAAAAAAAf39/ACUAAABYAAAAAAAAAAAAAAAAAAAAAAAAAAAAAAAAAAAAAAAAAAAAAAAAAAAAAAAAAAAAAAA/AAAAAAAAAKCGAQAAAAAAAAAAAAAAAAAMAAAAAQAAAAAAAAAAAAAAAAAAAB8AAABUAAAAT4G9Bf///wEAAAAAAAAAAAAAAAAAAAAAAAAAAAAAAAAAAAAAAAAAAAAAAAJ/f38A7uzhA8zMzADAwP8Af39/AAAAAAAAAAAAAAAAAAAAAAAAAAAAIQAAABgAAAAUAAAA0AIAALEBAABwNQAAuQgAABAAAAAmAAAACAAAAAAAAAAAAAAA"/>
               </a:ext>
             </a:extLst>
           </p:cNvSpPr>
@@ -15924,7 +16119,7 @@
           <p:cNvGrpSpPr>
             <a:extLst>
               <a:ext uri="smNativeData">
-                <pr:smNativeData xmlns:pr="smNativeData" xmlns="smNativeData" val="SMDATA_6_JtjWYhMAAAAlAAAAAQAAAA8BAAAAkAAAAEgAAACQAAAASAAAAAAAAAAAAAAAAAAAABcAAAAUAAAAAAAAAAAAAAD/fwAA/38AAAAAAAAJAAAABAAAAFQAAAAfAAAAVAAAAAAAAAAAAAAAAAAAAAAAAAAAAAAAAAAAAAAAAAAAAAAAAAAAAAAAAAAAAAAAAAAAAAAAAAAAAAAAAAAAAAAAAAAAAAAAAAAAAAAAAAAAAAAAAAAAACEAAAAYAAAAFAAAAAAAAAAMCwAAkjgAAIAhAAAQAAAAJgAAAAgAAAD/////AAAAAA=="/>
+                <pr:smNativeData xmlns:pr="smNativeData" xmlns="smNativeData" val="SMDATA_6_iunWYhMAAAAlAAAAAQAAAA8BAAAAkAAAAEgAAACQAAAASAAAAAAAAAAAAAAAAAAAABcAAAAUAAAAAAAAAAAAAAD/fwAA/38AAAAAAAAJAAAABAAAAFQAAAAfAAAAVAAAAAAAAAAAAAAAAAAAAAAAAAAAAAAAAAAAAAAAAAAAAAAAAAAAAAAAAAAAAAAAAAAAAAAAAAAAAAAAAAAAAAAAAAAAAAAAAAAAAAAAAAAAAAAAAAAAACEAAAAYAAAAFAAAAAAAAAAMCwAAkjgAAIAhAAAQAAAAJgAAAAgAAAD/////AAAAAA=="/>
               </a:ext>
             </a:extLst>
           </p:cNvGrpSpPr>
@@ -15945,7 +16140,7 @@
               <a:picLocks noChangeAspect="1"/>
               <a:extLst>
                 <a:ext uri="smNativeData">
-                  <pr:smNativeData xmlns:pr="smNativeData" xmlns="smNativeData" val="SMDATA_17_JtjWYhMAAAAlAAAAEQAAAC0AAAAAkAAAAEgAAACQAAAASAAAAAAAAAAAAAAAAAAAAAEAAABQAAAAAAAAAAAA4D8AAAAAAADgPwAAAAAAAOA/AAAAAAAA4D8AAAAAAADgPwAAAAAAAOA/AAAAAAAA4D8AAAAAAADgPwAAAAAAAOA/AAAAAAAA4D8CAAAAjAAAAAAAAAAAAAAAT4G9DP///wgAAAAAAAAAAAAAAAAAAAAAAAAAAAAAAAAAAAAAZAAAAAEAAABAAAAAAAAAAAAAAAAAAAAAAAAAAAAAAAAAAAAAAAAAAAAAAAAAAAAAAAAAAAAAAAAAAAAAAAAAAAAAAAAAAAAAAAAAAAAAAAAAAAAAAAAAAAAAAAAAAAAAFAAAADwAAAAAAAAAAAAAAAAAAAkUAAAAAQAAABQAAAAUAAAAFAAAAAEAAAAAAAAAZAAAAGQAAAAAAAAAZAAAAGQAAAAVAAAAYAAAAAAAAAAAAAAADwAAACADAAAAAAAAAAAAAAEAAACgMgAAVgcAAKr4//8BAAAAf39/AAEAAABkAAAAAAAAABQAAABAHwAAAAAAACYAAAAAAAAAwOD//wAAAAAmAAAAZAAAABYAAABMAAAAAAAAAAAAAAAEAAAAAAAAAAEAAADu7OEKAAAAACgAAAAoAAAAZAAAAGQAAAAAAAAAzMzMAAAAAABQAAAAUAAAAGQAAABkAAAAAAAAAAcAAAA4AAAAAAAAAAAAAAAAAAAA////AAAAAAAAAAAAAAAAAAAAAAAAAAAAAAAAAAAAAABkAAAAZAAAAAAAAAAjAAAABAAAAGQAAAAXAAAAFAAAAAAAAAAAAAAA/38AAP9/AAAAAAAACQAAAAQAAAAAAAAAHgAAAGgAAAAAAAAAAAAAAAAAAAAAAAAAAAAAABAnAAAQJwAAAAAAAAAAAAAAAAAAAAAAAAAAAAAAAAAAAAAAAAAAAAAUAAAAAAAAAMDA/wAAAAAAZAAAADIAAAAAAAAAZAAAAAAAAAB/f38ACgAAACIAAAAYAAAAAAAAAAAAAAAAAAAAAAAAAAAAAAAAAAAAJAAAACQAAAAAAAAABwAAAAAAAAAAAAAAAAAAAAAAAAAAAAAAAAAAAH9/fwAlAAAAWAAAAAAAAAAAAAAAAAAAAAAAAAAAAAAAAAAAAAAAAAAAAAAAAAAAAAAAAAAAAAAAPwAAAAAAAACghgEAAAAAAAAAAAAAAAAADAAAAAEAAAAAAAAAAAAAAAAAAAAfAAAAVAAAAE+BvQX///8BAAAAAAAAAAAAAAAAAAAAAAAAAAAAAAAAAAAAAAAAAAAAAAACf39/AO7s4QPMzMwAwMD/AH9/fwAAAAAAAAAAAAAAAAD///8AAAAAACEAAAAYAAAAFAAAAAAAAAAMCwAAkjgAAIAhAAAAAAAAJgAAAAgAAAD//////////w=="/>
+                  <pr:smNativeData xmlns:pr="smNativeData" xmlns="smNativeData" val="SMDATA_17_iunWYhMAAAAlAAAAEQAAAC0AAAAAkAAAAEgAAACQAAAASAAAAAAAAAAAAAAAAAAAAAEAAABQAAAAAAAAAAAA4D8AAAAAAADgPwAAAAAAAOA/AAAAAAAA4D8AAAAAAADgPwAAAAAAAOA/AAAAAAAA4D8AAAAAAADgPwAAAAAAAOA/AAAAAAAA4D8CAAAAjAAAAAAAAAAAAAAAT4G9DP///wgAAAAAAAAAAAAAAAAAAAAAAAAAAAAAAAAAAAAAZAAAAAEAAABAAAAAAAAAAAAAAAAAAAAAAAAAAAAAAAAAAAAAAAAAAAAAAAAAAAAAAAAAAAAAAAAAAAAAAAAAAAAAAAAAAAAAAAAAAAAAAAAAAAAAAAAAAAAAAAAAAAAAFAAAADwAAAAAAAAAAAAAAAAAAAkUAAAAAQAAABQAAAAUAAAAFAAAAAEAAAAAAAAAZAAAAGQAAAAAAAAAZAAAAGQAAAAVAAAAYAAAAAAAAAAAAAAADwAAACADAAAAAAAAAAAAAAEAAACgMgAAVgcAAKr4//8BAAAAf39/AAEAAABkAAAAAAAAABQAAABAHwAAAAAAACYAAAAAAAAAwOD//wAAAAAmAAAAZAAAABYAAABMAAAAAAAAAAAAAAAEAAAAAAAAAAEAAADu7OEKAAAAACgAAAAoAAAAZAAAAGQAAAAAAAAAzMzMAAAAAABQAAAAUAAAAGQAAABkAAAAAAAAAAcAAAA4AAAAAAAAAAAAAAAAAAAA////AAAAAAAAAAAAAAAAAAAAAAAAAAAAAAAAAAAAAABkAAAAZAAAAAAAAAAjAAAABAAAAGQAAAAXAAAAFAAAAAAAAAAAAAAA/38AAP9/AAAAAAAACQAAAAQAAAAAAAAAHgAAAGgAAAAAAAAAAAAAAAAAAAAAAAAAAAAAABAnAAAQJwAAAAAAAAAAAAAAAAAAAAAAAAAAAAAAAAAAAAAAAAAAAAAUAAAAAAAAAMDA/wAAAAAAZAAAADIAAAAAAAAAZAAAAAAAAAB/f38ACgAAACIAAAAYAAAAAAAAAAAAAAAAAAAAAAAAAAAAAAAAAAAAJAAAACQAAAAAAAAABwAAAAAAAAAAAAAAAAAAAAAAAAAAAAAAAAAAAH9/fwAlAAAAWAAAAAAAAAAAAAAAAAAAAAAAAAAAAAAAAAAAAAAAAAAAAAAAAAAAAAAAAAAAAAAAPwAAAAAAAACghgEAAAAAAAAAAAAAAAAADAAAAAEAAAAAAAAAAAAAAAAAAAAfAAAAVAAAAE+BvQX///8BAAAAAAAAAAAAAAAAAAAAAAAAAAAAAAAAAAAAAAAAAAAAAAACf39/AO7s4QPMzMwAwMD/AH9/fwAAAAAAAAAAAAAAAAD///8AAAAAACEAAAAYAAAAFAAAAAAAAAAMCwAAkjgAAIAhAAAAAAAAJgAAAAgAAAD//////////w=="/>
                 </a:ext>
               </a:extLst>
             </p:cNvPicPr>
@@ -15978,7 +16173,7 @@
             <p:cNvSpPr>
               <a:extLst>
                 <a:ext uri="smNativeData">
-                  <pr:smNativeData xmlns:pr="smNativeData" xmlns="smNativeData" val="SMDATA_15_JtjWYhMAAAAlAAAAZAAAAE0AAAAAkAAAAEgAAACQAAAASAAAAAAAAAAAAAAAAAAAAAEAAABQAAAAAAAAAAAA4D8AAAAAAADgPwAAAAAAAOA/AAAAAAAA4D8AAAAAAADgPwAAAAAAAOA/AAAAAAAA4D8AAAAAAADgPwAAAAAAAOA/AAAAAAAA4D8CAAAAjAAAAAAAAAAAAAAAT4G9DP///wgAAAAAAAAAAAAAAAAAAAAAAAAAAAAAAAAAAAAAZAAAAAEAAABAAAAAAAAAAAAAAAAAAAAAAAAAAAAAAAAAAAAAAAAAAAAAAAAAAAAAAAAAAAAAAAAAAAAAAAAAAAAAAAAAAAAAAAAAAAAAAAAAAAAAAAAAAAAAAAAAAAAAFAAAADwAAAAAAAAAAAAAAAAAAAAPAAAAAQAAACMAAAAjAAAAIwAAAB4AAAAAAAAAZAAAAGQAAAAAAAAAZAAAAGQAAAAVAAAAYAAAAAAAAAAAAAAADwAAACADAAAAAAAAAAAAAAEAAACgMgAAVgcAAKr4//8BAAAAf39/AAEAAABkAAAAAAAAABQAAABAHwAAAAAAACYAAAAAAAAAwOD//wAAAAAmAAAAZAAAABYAAABMAAAAAAAAAAAAAAAEAAAAAAAAAAEAAADu7OEKAAAAACgAAAAoAAAAZAAAAGQAAAAAAAAAzMzMAAAAAABQAAAAUAAAAGQAAABkAAAAAAAAABcAAAAUAAAAAAAAAAAAAAD/fwAA/38AAAAAAAAJAAAABAAAAJQjAAAeAAAAaAAAAAAAAAAAAAAAAAAAAAAAAAAAAAAAECcAABAnAAAAAAAAAAAAAAAAAAAAAAAAAAAAAAAAAAAAAAAAAAAAABQAAAAAAAAAwMD/AAAAAABkAAAAMgAAAAAAAABkAAAAAAAAAH9/fwAKAAAAIgAAABgAAAAAAAAAAAAAAAAAAAAAAAAAAAAAAAAAAAAkAAAAJAAAAAAAAAAHAAAAAAAAAAAAAAAAAAAAAAAAAAAAAAAAAAAAf39/ACUAAABYAAAAAAAAAAAAAAAAAAAAAAAAAAAAAAAAAAAAAAAAAAAAAAAAAAAAAAAAAAAAAAA/AAAAAAAAAKCGAQAAAAAAAAAAAAAAAAAMAAAAAQAAAAAAAAAAAAAAAAAAAB8AAABUAAAAT4G9Bf///wEAAAAAAAAAAAAAAAAAAAAAAAAAAAAAAAAAAAAAAAAAAAAAAAB/f38A7uzhA8zMzADAwP8Af39/AAAAAAAAAAAAAAAAAAAAAAAAAAAAIQAAABgAAAAUAAAALAEAAIwPAADUCAAAJRMAAAAgAAAmAAAACAAAAP//////////"/>
+                  <pr:smNativeData xmlns:pr="smNativeData" xmlns="smNativeData" val="SMDATA_15_iunWYhMAAAAlAAAAZAAAAE0AAAAAkAAAAEgAAACQAAAASAAAAAAAAAAAAAAAAAAAAAEAAABQAAAAAAAAAAAA4D8AAAAAAADgPwAAAAAAAOA/AAAAAAAA4D8AAAAAAADgPwAAAAAAAOA/AAAAAAAA4D8AAAAAAADgPwAAAAAAAOA/AAAAAAAA4D8CAAAAjAAAAAAAAAAAAAAAT4G9DP///wgAAAAAAAAAAAAAAAAAAAAAAAAAAAAAAAAAAAAAZAAAAAEAAABAAAAAAAAAAAAAAAAAAAAAAAAAAAAAAAAAAAAAAAAAAAAAAAAAAAAAAAAAAAAAAAAAAAAAAAAAAAAAAAAAAAAAAAAAAAAAAAAAAAAAAAAAAAAAAAAAAAAAFAAAADwAAAAAAAAAAAAAAAAAAAAPAAAAAQAAACMAAAAjAAAAIwAAAB4AAAAAAAAAZAAAAGQAAAAAAAAAZAAAAGQAAAAVAAAAYAAAAAAAAAAAAAAADwAAACADAAAAAAAAAAAAAAEAAACgMgAAVgcAAKr4//8BAAAAf39/AAEAAABkAAAAAAAAABQAAABAHwAAAAAAACYAAAAAAAAAwOD//wAAAAAmAAAAZAAAABYAAABMAAAAAAAAAAAAAAAEAAAAAAAAAAEAAADu7OEKAAAAACgAAAAoAAAAZAAAAGQAAAAAAAAAzMzMAAAAAABQAAAAUAAAAGQAAABkAAAAAAAAABcAAAAUAAAAAAAAAAAAAAD/fwAA/38AAAAAAAAJAAAABAAAAJQjAAAeAAAAaAAAAAAAAAAAAAAAAAAAAAAAAAAAAAAAECcAABAnAAAAAAAAAAAAAAAAAAAAAAAAAAAAAAAAAAAAAAAAAAAAABQAAAAAAAAAwMD/AAAAAABkAAAAMgAAAAAAAABkAAAAAAAAAH9/fwAKAAAAIgAAABgAAAAAAAAAAAAAAAAAAAAAAAAAAAAAAAAAAAAkAAAAJAAAAAAAAAAHAAAAAAAAAAAAAAAAAAAAAAAAAAAAAAAAAAAAf39/ACUAAABYAAAAAAAAAAAAAAAAAAAAAAAAAAAAAAAAAAAAAAAAAAAAAAAAAAAAAAAAAAAAAAA/AAAAAAAAAKCGAQAAAAAAAAAAAAAAAAAMAAAAAQAAAAAAAAAAAAAAAAAAAB8AAABUAAAAT4G9Bf///wEAAAAAAAAAAAAAAAAAAAAAAAAAAAAAAAAAAAAAAAAAAAAAAAB/f38A7uzhA8zMzADAwP8Af39/AAAAAAAAAAAAAAAAAAAAAAAAAAAAIQAAABgAAAAUAAAALAEAAIwPAADUCAAAJRMAAAAgAAAmAAAACAAAAP//////////"/>
                 </a:ext>
               </a:extLst>
             </p:cNvSpPr>
@@ -16019,7 +16214,7 @@
             <p:cNvSpPr>
               <a:extLst>
                 <a:ext uri="smNativeData">
-                  <pr:smNativeData xmlns:pr="smNativeData" xmlns="smNativeData" val="SMDATA_15_JtjWYhMAAAAlAAAAZAAAAE0AAAAAkAAAAEgAAACQAAAASAAAAAAAAAAAAAAAAAAAAAEAAABQAAAAAAAAAAAA4D8AAAAAAADgPwAAAAAAAOA/AAAAAAAA4D8AAAAAAADgPwAAAAAAAOA/AAAAAAAA4D8AAAAAAADgPwAAAAAAAOA/AAAAAAAA4D8CAAAAjAAAAAEAAAAAAAAA////CP///wgAAAAAAAAAAAAAAAAAAAAAAAAAAAAAAAAAAAAAeAAAAAEAAABAAAAAAAAAAAAAAABaAAAAAAAAAAAAAAAAAAAAAAAAAAAAAAAAAAAAAAAAAAAAAAAAAAAAAAAAAAAAAAAAAAAAAAAAAAAAAAAAAAAAAAAAAAAAAAAAAAAAFAAAADwAAAAAAAAAAAAAAAAAAAAPAAAAAQAAACMAAAAjAAAAIwAAAB4AAAAAAAAAZAAAAGQAAAAAAAAAZAAAAGQAAAAVAAAAYAAAAAAAAAAAAAAADwAAACADAAAAAAAAAAAAAAEAAACgMgAAVgcAAKr4//8BAAAAf39/AAEAAABkAAAAAAAAABQAAABAHwAAAAAAACYAAAAAAAAAwOD//wAAAAAmAAAAZAAAABYAAABMAAAAAAAAAAAAAAAEAAAAAAAAAAEAAADu7OEKAAAAACgAAAAoAAAAZAAAAGQAAAAAAAAAzMzMAAAAAABQAAAAUAAAAGQAAABkAAAAAAAAABcAAAAUAAAAAAAAAAAAAAD/fwAA/38AAAAAAAAJAAAABAAAAAAAAAAeAAAAaAAAAAAAAAAAAAAAAAAAAAAAAAAAAAAAECcAABAnAAAAAAAAAAAAAAAAAAAAAAAAAAAAAAAAAAAAAAAAAAAAABQAAAAAAAAAwMD/AAAAAABkAAAAMgAAAAAAAABkAAAAAAAAAH9/fwAKAAAAIgAAABgAAAAAAAAAAAAAAAAAAAAAAAAAAAAAAAAAAAAkAAAAJAAAAAAAAAAHAAAAAAAAAAAAAAAAAAAAAAAAAAAAAAAAAAAAf39/ACUAAABYAAAAAAAAAAAAAAAAAAAAAAAAAAAAAAAAAAAAAAAAAAAAAAAAAAAAAAAAAAAAAAA/AAAAAAAAAKCGAQAAAAAAAAAAAAAAAAAMAAAAAQAAAAAAAAAAAAAAAAAAAB8AAABUAAAA////Af///wEAAAAAAAAAAAAAAAAAAAAAAAAAAAAAAAAAAAAAAAAAAAAAAAB/f38A7uzhA8zMzADAwP8Af39/AAAAAAAAAAAAAAAAAAAAAAAAAAAAIQAAABgAAAAUAAAA5BEAAKMVAADkGwAAPBkAAAAgAAAmAAAACAAAAP//////////"/>
+                  <pr:smNativeData xmlns:pr="smNativeData" xmlns="smNativeData" val="SMDATA_15_iunWYhMAAAAlAAAAZAAAAE0AAAAAkAAAAEgAAACQAAAASAAAAAAAAAAAAAAAAAAAAAEAAABQAAAAAAAAAAAA4D8AAAAAAADgPwAAAAAAAOA/AAAAAAAA4D8AAAAAAADgPwAAAAAAAOA/AAAAAAAA4D8AAAAAAADgPwAAAAAAAOA/AAAAAAAA4D8CAAAAjAAAAAEAAAAAAAAA////CP///wgAAAAAAAAAAAAAAAAAAAAAAAAAAAAAAAAAAAAAeAAAAAEAAABAAAAAAAAAAAAAAABaAAAAAAAAAAAAAAAAAAAAAAAAAAAAAAAAAAAAAAAAAAAAAAAAAAAAAAAAAAAAAAAAAAAAAAAAAAAAAAAAAAAAAAAAAAAAAAAAAAAAFAAAADwAAAAAAAAAAAAAAAAAAAAPAAAAAQAAACMAAAAjAAAAIwAAAB4AAAAAAAAAZAAAAGQAAAAAAAAAZAAAAGQAAAAVAAAAYAAAAAAAAAAAAAAADwAAACADAAAAAAAAAAAAAAEAAACgMgAAVgcAAKr4//8BAAAAf39/AAEAAABkAAAAAAAAABQAAABAHwAAAAAAACYAAAAAAAAAwOD//wAAAAAmAAAAZAAAABYAAABMAAAAAAAAAAAAAAAEAAAAAAAAAAEAAADu7OEKAAAAACgAAAAoAAAAZAAAAGQAAAAAAAAAzMzMAAAAAABQAAAAUAAAAGQAAABkAAAAAAAAABcAAAAUAAAAAAAAAAAAAAD/fwAA/38AAAAAAAAJAAAABAAAAAAAAAAeAAAAaAAAAAAAAAAAAAAAAAAAAAAAAAAAAAAAECcAABAnAAAAAAAAAAAAAAAAAAAAAAAAAAAAAAAAAAAAAAAAAAAAABQAAAAAAAAAwMD/AAAAAABkAAAAMgAAAAAAAABkAAAAAAAAAH9/fwAKAAAAIgAAABgAAAAAAAAAAAAAAAAAAAAAAAAAAAAAAAAAAAAkAAAAJAAAAAAAAAAHAAAAAAAAAAAAAAAAAAAAAAAAAAAAAAAAAAAAf39/ACUAAABYAAAAAAAAAAAAAAAAAAAAAAAAAAAAAAAAAAAAAAAAAAAAAAAAAAAAAAAAAAAAAAA/AAAAAAAAAKCGAQAAAAAAAAAAAAAAAAAMAAAAAQAAAAAAAAAAAAAAAAAAAB8AAABUAAAA////Af///wEAAAAAAAAAAAAAAAAAAAAAAAAAAAAAAAAAAAAAAAAAAAAAAAB/f38A7uzhA8zMzADAwP8Af39/AAAAAAAAAAAAAAAAAAAAAAAAAAAAIQAAABgAAAAUAAAA5BEAAKMVAADkGwAAPBkAAAAgAAAmAAAACAAAAP//////////"/>
                 </a:ext>
               </a:extLst>
             </p:cNvSpPr>
@@ -16062,7 +16257,7 @@
             <p:cNvSpPr>
               <a:extLst>
                 <a:ext uri="smNativeData">
-                  <pr:smNativeData xmlns:pr="smNativeData" xmlns="smNativeData" val="SMDATA_15_JtjWYhMAAAAlAAAAZAAAAE0AAAAAkAAAAEgAAACQAAAASAAAAAAAAAAAAAAAAAAAAAEAAABQAAAAAAAAAAAA4D8AAAAAAADgPwAAAAAAAOA/AAAAAAAA4D8AAAAAAADgPwAAAAAAAOA/AAAAAAAA4D8AAAAAAADgPwAAAAAAAOA/AAAAAAAA4D8CAAAAjAAAAAAAAAAAAAAAT4G9DP///wgAAAAAAAAAAAAAAAAAAAAAAAAAAAAAAAAAAAAAZAAAAAEAAABAAAAAAAAAAAAAAAAAAAAAAAAAAAAAAAAAAAAAAAAAAAAAAAAAAAAAAAAAAAAAAAAAAAAAAAAAAAAAAAAAAAAAAAAAAAAAAAAAAAAAAAAAAAAAAAAAAAAAFAAAADwAAAAAAAAAAAAAAAAAAAAPAAAAAQAAACMAAAAjAAAAIwAAAB4AAAAAAAAAZAAAAGQAAAAAAAAAZAAAAGQAAAAVAAAAYAAAAAAAAAAAAAAADwAAACADAAAAAAAAAAAAAAEAAACgMgAAVgcAAKr4//8BAAAAf39/AAEAAABkAAAAAAAAABQAAABAHwAAAAAAACYAAAAAAAAAwOD//wAAAAAmAAAAZAAAABYAAABMAAAAAAAAAAAAAAAEAAAAAAAAAAEAAADu7OEKAAAAACgAAAAoAAAAZAAAAGQAAAAAAAAAzMzMAAAAAABQAAAAUAAAAGQAAABkAAAAAAAAABcAAAAUAAAAAAAAAAAAAAD/fwAA/38AAAAAAAAJAAAABAAAAAAAAAAeAAAAaAAAAAAAAAAAAAAAAAAAAAAAAAAAAAAAECcAABAnAAAAAAAAAAAAAAAAAAAAAAAAAAAAAAAAAAAAAAAAAAAAABQAAAAAAAAAwMD/AAAAAABkAAAAMgAAAAAAAABkAAAAAAAAAH9/fwAKAAAAIgAAABgAAAAAAAAAAAAAAAAAAAAAAAAAAAAAAAAAAAAkAAAAJAAAAAAAAAAHAAAAAAAAAAAAAAAAAAAAAAAAAAAAAAAAAAAAf39/ACUAAABYAAAAAAAAAAAAAAAAAAAAAAAAAAAAAAAAAAAAAAAAAAAAAAAAAAAAAAAAAAAAAAA/AAAAAAAAAKCGAQAAAAAAAAAAAAAAAAAMAAAAAQAAAAAAAAAAAAAAAAAAAB8AAABUAAAAT4G9Bf///wEAAAAAAAAAAAAAAAAAAAAAAAAAAAAAAAAAAAAAAAAAAAAAAAB/f38A7uzhA8zMzADAwP8Af39/AAAAAAAAAAAAAAAAAAAAAAAAAAAAIQAAABgAAAAUAAAAaBAAAPgbAAAQGAAAkR8AAAAgAAAmAAAACAAAAP//////////"/>
+                  <pr:smNativeData xmlns:pr="smNativeData" xmlns="smNativeData" val="SMDATA_15_iunWYhMAAAAlAAAAZAAAAE0AAAAAkAAAAEgAAACQAAAASAAAAAAAAAAAAAAAAAAAAAEAAABQAAAAAAAAAAAA4D8AAAAAAADgPwAAAAAAAOA/AAAAAAAA4D8AAAAAAADgPwAAAAAAAOA/AAAAAAAA4D8AAAAAAADgPwAAAAAAAOA/AAAAAAAA4D8CAAAAjAAAAAAAAAAAAAAAT4G9DP///wgAAAAAAAAAAAAAAAAAAAAAAAAAAAAAAAAAAAAAZAAAAAEAAABAAAAAAAAAAAAAAAAAAAAAAAAAAAAAAAAAAAAAAAAAAAAAAAAAAAAAAAAAAAAAAAAAAAAAAAAAAAAAAAAAAAAAAAAAAAAAAAAAAAAAAAAAAAAAAAAAAAAAFAAAADwAAAAAAAAAAAAAAAAAAAAPAAAAAQAAACMAAAAjAAAAIwAAAB4AAAAAAAAAZAAAAGQAAAAAAAAAZAAAAGQAAAAVAAAAYAAAAAAAAAAAAAAADwAAACADAAAAAAAAAAAAAAEAAACgMgAAVgcAAKr4//8BAAAAf39/AAEAAABkAAAAAAAAABQAAABAHwAAAAAAACYAAAAAAAAAwOD//wAAAAAmAAAAZAAAABYAAABMAAAAAAAAAAAAAAAEAAAAAAAAAAEAAADu7OEKAAAAACgAAAAoAAAAZAAAAGQAAAAAAAAAzMzMAAAAAABQAAAAUAAAAGQAAABkAAAAAAAAABcAAAAUAAAAAAAAAAAAAAD/fwAA/38AAAAAAAAJAAAABAAAAAAAAAAeAAAAaAAAAAAAAAAAAAAAAAAAAAAAAAAAAAAAECcAABAnAAAAAAAAAAAAAAAAAAAAAAAAAAAAAAAAAAAAAAAAAAAAABQAAAAAAAAAwMD/AAAAAABkAAAAMgAAAAAAAABkAAAAAAAAAH9/fwAKAAAAIgAAABgAAAAAAAAAAAAAAAAAAAAAAAAAAAAAAAAAAAAkAAAAJAAAAAAAAAAHAAAAAAAAAAAAAAAAAAAAAAAAAAAAAAAAAAAAf39/ACUAAABYAAAAAAAAAAAAAAAAAAAAAAAAAAAAAAAAAAAAAAAAAAAAAAAAAAAAAAAAAAAAAAA/AAAAAAAAAKCGAQAAAAAAAAAAAAAAAAAMAAAAAQAAAAAAAAAAAAAAAAAAAB8AAABUAAAAT4G9Bf///wEAAAAAAAAAAAAAAAAAAAAAAAAAAAAAAAAAAAAAAAAAAAAAAAB/f38A7uzhA8zMzADAwP8Af39/AAAAAAAAAAAAAAAAAAAAAAAAAAAAIQAAABgAAAAUAAAAaBAAAPgbAAAQGAAAkR8AAAAgAAAmAAAACAAAAP//////////"/>
                 </a:ext>
               </a:extLst>
             </p:cNvSpPr>
@@ -16113,7 +16308,7 @@
             <p:cNvSpPr>
               <a:extLst>
                 <a:ext uri="smNativeData">
-                  <pr:smNativeData xmlns:pr="smNativeData" xmlns="smNativeData" val="SMDATA_15_JtjWYhMAAAAlAAAAZAAAAA0AAAAAkAAAAEgAAACQAAAASAAAAAAAAAABAAAAAAAAAAEAAABQAAAAAAAAAAAA4D8AAAAAAADgPwAAAAAAAOA/AAAAAAAA4D8AAAAAAADgPwAAAAAAAOA/AAAAAAAA4D8AAAAAAADgPwAAAAAAAOA/AAAAAAAA4D8CAAAAjAAAAAEAAAAAAAAA////AKbC/wAAAAAAAAAAAAAAAAAAAAAAAAAAAAAAAAAAAAAAZAAAAAEAAABAAAAAAAAAAJz///9aAAAAAAAAAAAAAAAAAAAAAAAAAAAAAAAAAAAAAAAAAAAAAAAAAAAAAAAAAAAAAAAAAAAAAAAAAAAAAAAAAAAAAAAAAAAAAAAAAAAAFAAAADwAAAABAAAAAAAAAP///wAPAAAAAQAAABQAAAAUAAAAFAAAAAEAAAAAAAAAZAAAAGQAAAAAAAAAZAAAAGQAAAAVAAAAYAAAAAAAAAAAAAAADwAAACADAAAAAAAAAAAAAAEAAACgMgAAVgcAAKr4//8BAAAAf39/AAEAAABkAAAAAAAAABQAAABAHwAAAAAAACYAAAAAAAAAwOD//wAAAAAmAAAAZAAAABYAAABMAAAAAAAAAAAAAAAEAAAAAAAAAAEAAADu7OEKAAAAACgAAAAoAAAAZAAAAGQAAAAAAAAAzMzMAAAAAABQAAAAUAAAAGQAAABkAAAAAAAAABcAAAAUAAAAAAAAAAAAAAD/fwAA/38AAAAAAAAJAAAABAAAAAAAAAAeAAAAaAAAAAAAAAAAAAAAAAAAAAAAAAAAAAAAECcAABAnAAAAAAAAAAAAAAAAAAAAAAAAAAAAAAAAAAAAAAAAAAAAABQAAAAAAAAAwMD/AAAAAABkAAAAMgAAAAAAAABkAAAAAAAAAH9/fwAKAAAAIgAAABgAAAAAAAAAAAAAAAAAAAAAAAAAAAAAAAAAAAAkAAAAJAAAAAAAAAAHAAAAAAAAAAAAAAAAAAAAAAAAAAAAAAAAAAAAf39/ACUAAABYAAAAAAAAAAAAAAAAAAAAAAAAAAAAAAAAAAAAAAAAAAAAAAAAAAAAAAAAAAAAAAA/AAAAAAAAAKCGAQAAAAAAAAAAAAAAAAAMAAAAAQAAAAAAAAAAAAAAAAAAAB8AAABUAAAA////AKbC/wAAAAAAAAAAAAAAAAAAAAAAAAAAAAAAAAAAAAAAAAAAAP///wB/f38A7uzhA8zMzADAwP8Af39/AAAAAAAAAAAAAAAAAAAAAAAAAAAAIQAAABgAAAAUAAAA7A4AAJgLAAAQGAAAhA0AAAAAAAAmAAAACAAAAP//////////"/>
+                  <pr:smNativeData xmlns:pr="smNativeData" xmlns="smNativeData" val="SMDATA_15_iunWYhMAAAAlAAAAZAAAAA0AAAAAkAAAAEgAAACQAAAASAAAAAAAAAABAAAAAAAAAAEAAABQAAAAAAAAAAAA4D8AAAAAAADgPwAAAAAAAOA/AAAAAAAA4D8AAAAAAADgPwAAAAAAAOA/AAAAAAAA4D8AAAAAAADgPwAAAAAAAOA/AAAAAAAA4D8CAAAAjAAAAAEAAAAAAAAA////AKbC/wAAAAAAAAAAAAAAAAAAAAAAAAAAAAAAAAAAAAAAZAAAAAEAAABAAAAAAAAAAJz///9aAAAAAAAAAAAAAAAAAAAAAAAAAAAAAAAAAAAAAAAAAAAAAAAAAAAAAAAAAAAAAAAAAAAAAAAAAAAAAAAAAAAAAAAAAAAAAAAAAAAAFAAAADwAAAABAAAAAAAAAP///wAPAAAAAQAAABQAAAAUAAAAFAAAAAEAAAAAAAAAZAAAAGQAAAAAAAAAZAAAAGQAAAAVAAAAYAAAAAAAAAAAAAAADwAAACADAAAAAAAAAAAAAAEAAACgMgAAVgcAAKr4//8BAAAAf39/AAEAAABkAAAAAAAAABQAAABAHwAAAAAAACYAAAAAAAAAwOD//wAAAAAmAAAAZAAAABYAAABMAAAAAAAAAAAAAAAEAAAAAAAAAAEAAADu7OEKAAAAACgAAAAoAAAAZAAAAGQAAAAAAAAAzMzMAAAAAABQAAAAUAAAAGQAAABkAAAAAAAAABcAAAAUAAAAAAAAAAAAAAD/fwAA/38AAAAAAAAJAAAABAAAAAAAAAAeAAAAaAAAAAAAAAAAAAAAAAAAAAAAAAAAAAAAECcAABAnAAAAAAAAAAAAAAAAAAAAAAAAAAAAAAAAAAAAAAAAAAAAABQAAAAAAAAAwMD/AAAAAABkAAAAMgAAAAAAAABkAAAAAAAAAH9/fwAKAAAAIgAAABgAAAAAAAAAAAAAAAAAAAAAAAAAAAAAAAAAAAAkAAAAJAAAAAAAAAAHAAAAAAAAAAAAAAAAAAAAAAAAAAAAAAAAAAAAf39/ACUAAABYAAAAAAAAAAAAAAAAAAAAAAAAAAAAAAAAAAAAAAAAAAAAAAAAAAAAAAAAAAAAAAA/AAAAAAAAAKCGAQAAAAAAAAAAAAAAAAAMAAAAAQAAAAAAAAAAAAAAAAAAAB8AAABUAAAA////AKbC/wAAAAAAAAAAAAAAAAAAAAAAAAAAAAAAAAAAAAAAAAAAAP///wB/f38A7uzhA8zMzADAwP8Af39/AAAAAAAAAAAAAAAAAAAAAAAAAAAAIQAAABgAAAAUAAAA7A4AAJgLAAAQGAAAhA0AAAAAAAAmAAAACAAAAP//////////"/>
                 </a:ext>
               </a:extLst>
             </p:cNvSpPr>
@@ -16161,7 +16356,7 @@
           <p:cNvSpPr>
             <a:extLst>
               <a:ext uri="smNativeData">
-                <pr:smNativeData xmlns:pr="smNativeData" xmlns="smNativeData" val="SMDATA_15_JtjWYhMAAAAlAAAAZAAAAA0AAAAAkAAAAEgAAACQAAAASAAAAAAAAAABAAAAAAAAAAEAAABQAAAAAAAAAAAA4D8AAAAAAADgPwAAAAAAAOA/AAAAAAAA4D8AAAAAAADgPwAAAAAAAOA/AAAAAAAA4D8AAAAAAADgPwAAAAAAAOA/AAAAAAAA4D8CAAAAjAAAAAEAAAAAAAAA////AKbC/wAAAAAAAAAAAAAAAAAAAAAAAAAAAAAAAAAAAAAAZAAAAAEAAABAAAAAAAAAAJz///9aAAAAAAAAAAAAAAAAAAAAAAAAAAAAAAAAAAAAAAAAAAAAAAAAAAAAAAAAAAAAAAAAAAAAAAAAAAAAAAAAAAAAAAAAAAAAAAAAAAAAFAAAADwAAAABAAAAAAAAAP///wAPAAAAAQAAABQAAAAUAAAAFAAAAAEAAAAAAAAAZAAAAGQAAAAAAAAAZAAAAGQAAAAVAAAAYAAAAAAAAAAAAAAADwAAACADAAAAAAAAAAAAAAEAAACgMgAAVgcAAKr4//8BAAAAf39/AAEAAABkAAAAAAAAABQAAABAHwAAAAAAACYAAAAAAAAAwOD//wAAAAAmAAAAZAAAABYAAABMAAAAAAAAAAAAAAAEAAAAAAAAAAEAAADu7OEKAAAAACgAAAAoAAAAZAAAAGQAAAAAAAAAzMzMAAAAAABQAAAAUAAAAGQAAABkAAAAAAAAABcAAAAUAAAAAAAAAAAAAAD/fwAA/38AAAAAAAAJAAAABAAAAAAAAHAeAAAAaAAAAAAAAAAAAAAAAAAAAAAAAAAAAAAAECcAABAnAAAAAAAAAAAAAAAAAAAAAAAAAAAAAAAAAAAAAAAAAAAAABQAAAAAAAAAwMD/AAAAAABkAAAAMgAAAAAAAABkAAAAAAAAAH9/fwAKAAAAIgAAABgAAAAAAAAAAAAAAAAAAAAAAAAAAAAAAAAAAAAkAAAAJAAAAAAAAAAHAAAAAAAAAAAAAAAAAAAAAAAAAAAAAAAAAAAAf39/ACUAAABYAAAAAAAAAAAAAAAAAAAAAAAAAAAAAAAAAAAAAAAAAAAAAAAAAAAAAAAAAAAAAAA/AAAAAAAAAKCGAQAAAAAAAAAAAAAAAAAMAAAAAQAAAAAAAAAAAAAAAAAAAB8AAABUAAAA////AKbC/wAAAAAAAAAAAAAAAAAAAAAAAAAAAAAAAAAAAAAAAAAAAP///wB/f38A7uzhA8zMzADAwP8Af39/AAAAAAAAAAAAAAAAAAAAAAAAAAAAIQAAABgAAAAUAAAADBIAAHURAADUHAAAYRMAABAAAAAmAAAACAAAAP//////////"/>
+                <pr:smNativeData xmlns:pr="smNativeData" xmlns="smNativeData" val="SMDATA_15_iunWYhMAAAAlAAAAZAAAAA0AAAAAkAAAAEgAAACQAAAASAAAAAAAAAABAAAAAAAAAAEAAABQAAAAAAAAAAAA4D8AAAAAAADgPwAAAAAAAOA/AAAAAAAA4D8AAAAAAADgPwAAAAAAAOA/AAAAAAAA4D8AAAAAAADgPwAAAAAAAOA/AAAAAAAA4D8CAAAAjAAAAAEAAAAAAAAA////AKbC/wAAAAAAAAAAAAAAAAAAAAAAAAAAAAAAAAAAAAAAZAAAAAEAAABAAAAAAAAAAJz///9aAAAAAAAAAAAAAAAAAAAAAAAAAAAAAAAAAAAAAAAAAAAAAAAAAAAAAAAAAAAAAAAAAAAAAAAAAAAAAAAAAAAAAAAAAAAAAAAAAAAAFAAAADwAAAABAAAAAAAAAP///wAPAAAAAQAAABQAAAAUAAAAFAAAAAEAAAAAAAAAZAAAAGQAAAAAAAAAZAAAAGQAAAAVAAAAYAAAAAAAAAAAAAAADwAAACADAAAAAAAAAAAAAAEAAACgMgAAVgcAAKr4//8BAAAAf39/AAEAAABkAAAAAAAAABQAAABAHwAAAAAAACYAAAAAAAAAwOD//wAAAAAmAAAAZAAAABYAAABMAAAAAAAAAAAAAAAEAAAAAAAAAAEAAADu7OEKAAAAACgAAAAoAAAAZAAAAGQAAAAAAAAAzMzMAAAAAABQAAAAUAAAAGQAAABkAAAAAAAAABcAAAAUAAAAAAAAAAAAAAD/fwAA/38AAAAAAAAJAAAABAAAAAAAAHAeAAAAaAAAAAAAAAAAAAAAAAAAAAAAAAAAAAAAECcAABAnAAAAAAAAAAAAAAAAAAAAAAAAAAAAAAAAAAAAAAAAAAAAABQAAAAAAAAAwMD/AAAAAABkAAAAMgAAAAAAAABkAAAAAAAAAH9/fwAKAAAAIgAAABgAAAAAAAAAAAAAAAAAAAAAAAAAAAAAAAAAAAAkAAAAJAAAAAAAAAAHAAAAAAAAAAAAAAAAAAAAAAAAAAAAAAAAAAAAf39/ACUAAABYAAAAAAAAAAAAAAAAAAAAAAAAAAAAAAAAAAAAAAAAAAAAAAAAAAAAAAAAAAAAAAA/AAAAAAAAAKCGAQAAAAAAAAAAAAAAAAAMAAAAAQAAAAAAAAAAAAAAAAAAAB8AAABUAAAA////AKbC/wAAAAAAAAAAAAAAAAAAAAAAAAAAAAAAAAAAAAAAAAAAAP///wB/f38A7uzhA8zMzADAwP8Af39/AAAAAAAAAAAAAAAAAAAAAAAAAAAAIQAAABgAAAAUAAAADBIAAHURAADUHAAAYRMAABAAAAAmAAAACAAAAP//////////"/>
               </a:ext>
             </a:extLst>
           </p:cNvSpPr>
@@ -16241,7 +16436,7 @@
             <a:spLocks noGrp="1" noChangeArrowheads="1"/>
             <a:extLst>
               <a:ext uri="smNativeData">
-                <pr:smNativeData xmlns:pr="smNativeData" xmlns="smNativeData" val="SMDATA_15_JtjWYhMAAAAlAAAAZAAAAA0AAAAAkAAAAEgAAACQAAAASAAAAAAAAAABAAAAAAAAAAEAAABQAAAAAAAAAAAA4D8AAAAAAADgPwAAAAAAAOA/AAAAAAAA4D8AAAAAAADgPwAAAAAAAOA/AAAAAAAA4D8AAAAAAADgPwAAAAAAAOA/AAAAAAAA4D8CAAAAjAAAAAAAAAAAAAAAT4G9DP///wgAAAAAAAAAAAAAAAAAAAAAAAAAAAAAAAAAAAAAZAAAAAEAAABAAAAAAAAAAAAAAAAAAAAAAAAAAAAAAAAAAAAAAAAAAAAAAAAAAAAAAAAAAAAAAAAAAAAAAAAAAAAAAAAAAAAAAAAAAAAAAAAAAAAAAAAAAAAAAAAAAAAAFAAAADwAAAAAAAAAAAAAAAAAAAkUAAAAAQAAABQAAAAUAAAAFAAAAAEAAAAAAAAAZAAAAGQAAAAAAAAAZAAAAGQAAAAVAAAAYAAAAAAAAAAAAAAADwAAACADAAAAAAAAAAAAAAEAAACgMgAAVgcAAKr4//8BAAAAf39/AAEAAABkAAAAAAAAABQAAABAHwAAAAAAACYAAAAAAAAAwOD//wAAAAAmAAAAZAAAABYAAABMAAAAAAAAAAAAAAAEAAAAAAAAAAEAAADu7OEKAAAAACgAAAAoAAAAZAAAAGQAAAAAAAAAzMzMAAAAAABQAAAAUAAAAGQAAABkAAAAAAAAABcAAAAUAAAAAAAAAAAAAAD/fwAA/38AAAAAAAAJAAAABAAAAAAAAAAeAAAAaAAAAAAAAAAAAAAAAAAAAAAAAAAAAAAAECcAABAnAAAAAAAAAAAAAAAAAAAAAAAAAAAAAAAAAAAAAAAAAAAAABQAAAAAAAAAwMD/AAAAAABkAAAAMgAAAAAAAABkAAAAAAAAAH9/fwAKAAAAIgAAABgAAAAAAAAAAAAAAAAAAAAAAAAAAAAAAAAAAAAkAAAAJAAAAAAAAAAHAAAAAAAAAAAAAAAAAAAAAAAAAAAAAAAAAAAAf39/ACUAAABYAAAAAAAAAAAAAAAAAAAAAAAAAAAAAAAAAAAAAAAAAAAAAAAAAAAAAAAAAAAAAAA/AAAAAAAAAKCGAQAAAAAAAAAAAAAAAAAMAAAAAQAAAAAAAAAAAAAAAAAAAB8AAABUAAAAT4G9Bf///wEAAAAAAAAAAAAAAAAAAAAAAAAAAAAAAAAAAAAAAAAAAAAAAAJ/f38A7uzhA8zMzADAwP8Af39/AAAAAAAAAAAAAAAAAAAAAAAAAAAAIQAAABgAAAAUAAAA0AIAALEBAABwNQAAuQgAABAAAAAmAAAACAAAAAAgAAAAAAAA"/>
+                <pr:smNativeData xmlns:pr="smNativeData" xmlns="smNativeData" val="SMDATA_15_iunWYhMAAAAlAAAAZAAAAA0AAAAAkAAAAEgAAACQAAAASAAAAAAAAAABAAAAAAAAAAEAAABQAAAAAAAAAAAA4D8AAAAAAADgPwAAAAAAAOA/AAAAAAAA4D8AAAAAAADgPwAAAAAAAOA/AAAAAAAA4D8AAAAAAADgPwAAAAAAAOA/AAAAAAAA4D8CAAAAjAAAAAAAAAAAAAAAT4G9DP///wgAAAAAAAAAAAAAAAAAAAAAAAAAAAAAAAAAAAAAZAAAAAEAAABAAAAAAAAAAAAAAAAAAAAAAAAAAAAAAAAAAAAAAAAAAAAAAAAAAAAAAAAAAAAAAAAAAAAAAAAAAAAAAAAAAAAAAAAAAAAAAAAAAAAAAAAAAAAAAAAAAAAAFAAAADwAAAAAAAAAAAAAAAAAAAkUAAAAAQAAABQAAAAUAAAAFAAAAAEAAAAAAAAAZAAAAGQAAAAAAAAAZAAAAGQAAAAVAAAAYAAAAAAAAAAAAAAADwAAACADAAAAAAAAAAAAAAEAAACgMgAAVgcAAKr4//8BAAAAf39/AAEAAABkAAAAAAAAABQAAABAHwAAAAAAACYAAAAAAAAAwOD//wAAAAAmAAAAZAAAABYAAABMAAAAAAAAAAAAAAAEAAAAAAAAAAEAAADu7OEKAAAAACgAAAAoAAAAZAAAAGQAAAAAAAAAzMzMAAAAAABQAAAAUAAAAGQAAABkAAAAAAAAABcAAAAUAAAAAAAAAAAAAAD/fwAA/38AAAAAAAAJAAAABAAAAAAAAAAeAAAAaAAAAAAAAAAAAAAAAAAAAAAAAAAAAAAAECcAABAnAAAAAAAAAAAAAAAAAAAAAAAAAAAAAAAAAAAAAAAAAAAAABQAAAAAAAAAwMD/AAAAAABkAAAAMgAAAAAAAABkAAAAAAAAAH9/fwAKAAAAIgAAABgAAAAAAAAAAAAAAAAAAAAAAAAAAAAAAAAAAAAkAAAAJAAAAAAAAAAHAAAAAAAAAAAAAAAAAAAAAAAAAAAAAAAAAAAAf39/ACUAAABYAAAAAAAAAAAAAAAAAAAAAAAAAAAAAAAAAAAAAAAAAAAAAAAAAAAAAAAAAAAAAAA/AAAAAAAAAKCGAQAAAAAAAAAAAAAAAAAMAAAAAQAAAAAAAAAAAAAAAAAAAB8AAABUAAAAT4G9Bf///wEAAAAAAAAAAAAAAAAAAAAAAAAAAAAAAAAAAAAAAAAAAAAAAAJ/f38A7uzhA8zMzADAwP8Af39/AAAAAAAAAAAAAAAAAAAAAAAAAAAAIQAAABgAAAAUAAAA0AIAALEBAABwNQAAuQgAABAAAAAmAAAACAAAAAAgAAAAAAAA"/>
               </a:ext>
             </a:extLst>
           </p:cNvSpPr>
@@ -16280,7 +16475,7 @@
           <p:cNvGrpSpPr>
             <a:extLst>
               <a:ext uri="smNativeData">
-                <pr:smNativeData xmlns:pr="smNativeData" xmlns="smNativeData" val="SMDATA_6_JtjWYhMAAAAlAAAAAQAAAA8BAAAAkAAAAEgAAACQAAAASAAAAAAAAAAAAAAAAAAAABcAAAAUAAAAAAAAAAAAAAD/fwAA/38AAAAAAAAJAAAABAAAAAAAAAAfAAAAVAAAAAAAAAAAAAAAAAAAAAAAAAAAAAAAAAAAAAAAAAAAAAAAAAAAAAAAAAAAAAAAAAAAAAAAAAAAAAAAAAAAAAAAAAAAAAAAAAAAAAAAAAAAAAAAAAAAACEAAAAYAAAAFAAAABoHAACBCQAA2i0AAL4pAAAQAAAAJgAAAAgAAAD/////AAAAAA=="/>
+                <pr:smNativeData xmlns:pr="smNativeData" xmlns="smNativeData" val="SMDATA_6_iunWYhMAAAAlAAAAAQAAAA8BAAAAkAAAAEgAAACQAAAASAAAAAAAAAAAAAAAAAAAABcAAAAUAAAAAAAAAAAAAAD/fwAA/38AAAAAAAAJAAAABAAAAAAAAAAfAAAAVAAAAAAAAAAAAAAAAAAAAAAAAAAAAAAAAAAAAAAAAAAAAAAAAAAAAAAAAAAAAAAAAAAAAAAAAAAAAAAAAAAAAAAAAAAAAAAAAAAAAAAAAAAAAAAAAAAAACEAAAAYAAAAFAAAABoHAACBCQAA2i0AAL4pAAAQAAAAJgAAAAgAAAD/////AAAAAA=="/>
               </a:ext>
             </a:extLst>
           </p:cNvGrpSpPr>
@@ -16301,7 +16496,7 @@
               <a:picLocks noChangeAspect="1"/>
               <a:extLst>
                 <a:ext uri="smNativeData">
-                  <pr:smNativeData xmlns:pr="smNativeData" xmlns="smNativeData" val="SMDATA_17_JtjWYhMAAAAlAAAAEQAAAC0AAAAAkAAAAEgAAACQAAAASAAAAAAAAAAAAAAAAAAAAAEAAABQAAAAAAAAAAAA4D8AAAAAAADgPwAAAAAAAOA/AAAAAAAA4D8AAAAAAADgPwAAAAAAAOA/AAAAAAAA4D8AAAAAAADgPwAAAAAAAOA/AAAAAAAA4D8CAAAAjAAAAAAAAAAAAAAAT4G9DP///wgAAAAAAAAAAAAAAAAAAAAAAAAAAAAAAAAAAAAAZAAAAAEAAABAAAAAAAAAAAAAAAAAAAAAAAAAAAAAAAAAAAAAAAAAAAAAAAAAAAAAAAAAAAAAAAAAAAAAAAAAAAAAAAAAAAAAAAAAAAAAAAAAAAAAAAAAAAAAAAAAAAAAFAAAADwAAAAAAAAAAAAAAAAAAAkUAAAAAQAAABQAAAAUAAAAFAAAAAEAAAAAAAAAZAAAAGQAAAAAAAAAZAAAAGQAAAAVAAAAYAAAAAAAAAAAAAAADwAAACADAAAAAAAAAAAAAAEAAACgMgAAVgcAAKr4//8BAAAAf39/AAEAAABkAAAAAAAAABQAAABAHwAAAAAAACYAAAAAAAAAwOD//wAAAAAmAAAAZAAAABYAAABMAAAAAAAAAAAAAAAEAAAAAAAAAAEAAADu7OEKAAAAACgAAAAoAAAAZAAAAGQAAAAAAAAAzMzMAAAAAABQAAAAUAAAAGQAAABkAAAAAAAAAAcAAAA4AAAAAAAAAAAAAAAAAAAA////AAAAAAAAAAAAAAAAAAAAAAAMEwAAAAAAAAAAAABkAAAAZAAAAAAAAAAjAAAABAAAAGQAAAAXAAAAFAAAAAAAAAAAAAAA/38AAP9/AAAAAAAACQAAAAQAAAAAAAAAHgAAAGgAAAAAAAAAAAAAAAAAAAAAAAAAAAAAABAnAAAQJwAAAAAAAAAAAAAAAAAAAAAAAAAAAAAAAAAAAAAAAAAAAAAUAAAAAAAAAMDA/wAAAAAAZAAAADIAAAAAAAAAZAAAAAAAAAB/f38ACgAAACIAAAAYAAAAAAAAAAAAAAAAAAAAAAAAAAAAAAAAAAAAJAAAACQAAAAAAAAABwAAAAAAAAAAAAAAAAAAAAAAAAAAAAAAAAAAAH9/fwAlAAAAWAAAAAAAAAAAAAAAAAAAAAAAAAAAAAAAAAAAAAAAAAAAAAAAAAAAAAAAAAAAAAAAPwAAAAAAAACghgEAAAAAAAAAAAAAAAAADAAAAAEAAAAAAAAAAAAAAAAAAAAfAAAAVAAAAE+BvQX///8BAAAAAAAAAAAAAAAAAAAAAAAAAAAAAAAAAAAAAAAAAAAAAAACf39/AO7s4QPMzMwAwMD/AH9/fwAAAAAAAAAAAAAAAAD///8AAAAAACEAAAAYAAAAFAAAABoHAACBCQAA2i0AAL4pAAAAAAAAJgAAAAgAAAD//////////w=="/>
+                  <pr:smNativeData xmlns:pr="smNativeData" xmlns="smNativeData" val="SMDATA_17_iunWYhMAAAAlAAAAEQAAAC0AAAAAkAAAAEgAAACQAAAASAAAAAAAAAAAAAAAAAAAAAEAAABQAAAAAAAAAAAA4D8AAAAAAADgPwAAAAAAAOA/AAAAAAAA4D8AAAAAAADgPwAAAAAAAOA/AAAAAAAA4D8AAAAAAADgPwAAAAAAAOA/AAAAAAAA4D8CAAAAjAAAAAAAAAAAAAAAT4G9DP///wgAAAAAAAAAAAAAAAAAAAAAAAAAAAAAAAAAAAAAZAAAAAEAAABAAAAAAAAAAAAAAAAAAAAAAAAAAAAAAAAAAAAAAAAAAAAAAAAAAAAAAAAAAAAAAAAAAAAAAAAAAAAAAAAAAAAAAAAAAAAAAAAAAAAAAAAAAAAAAAAAAAAAFAAAADwAAAAAAAAAAAAAAAAAAAkUAAAAAQAAABQAAAAUAAAAFAAAAAEAAAAAAAAAZAAAAGQAAAAAAAAAZAAAAGQAAAAVAAAAYAAAAAAAAAAAAAAADwAAACADAAAAAAAAAAAAAAEAAACgMgAAVgcAAKr4//8BAAAAf39/AAEAAABkAAAAAAAAABQAAABAHwAAAAAAACYAAAAAAAAAwOD//wAAAAAmAAAAZAAAABYAAABMAAAAAAAAAAAAAAAEAAAAAAAAAAEAAADu7OEKAAAAACgAAAAoAAAAZAAAAGQAAAAAAAAAzMzMAAAAAABQAAAAUAAAAGQAAABkAAAAAAAAAAcAAAA4AAAAAAAAAAAAAAAAAAAA////AAAAAAAAAAAAAAAAAAAAAAAMEwAAAAAAAAAAAABkAAAAZAAAAAAAAAAjAAAABAAAAGQAAAAXAAAAFAAAAAAAAAAAAAAA/38AAP9/AAAAAAAACQAAAAQAAAAAAAAAHgAAAGgAAAAAAAAAAAAAAAAAAAAAAAAAAAAAABAnAAAQJwAAAAAAAAAAAAAAAAAAAAAAAAAAAAAAAAAAAAAAAAAAAAAUAAAAAAAAAMDA/wAAAAAAZAAAADIAAAAAAAAAZAAAAAAAAAB/f38ACgAAACIAAAAYAAAAAAAAAAAAAAAAAAAAAAAAAAAAAAAAAAAAJAAAACQAAAAAAAAABwAAAAAAAAAAAAAAAAAAAAAAAAAAAAAAAAAAAH9/fwAlAAAAWAAAAAAAAAAAAAAAAAAAAAAAAAAAAAAAAAAAAAAAAAAAAAAAAAAAAAAAAAAAAAAAPwAAAAAAAACghgEAAAAAAAAAAAAAAAAADAAAAAEAAAAAAAAAAAAAAAAAAAAfAAAAVAAAAE+BvQX///8BAAAAAAAAAAAAAAAAAAAAAAAAAAAAAAAAAAAAAAAAAAAAAAACf39/AO7s4QPMzMwAwMD/AH9/fwAAAAAAAAAAAAAAAAD///8AAAAAACEAAAAYAAAAFAAAABoHAACBCQAA2i0AAL4pAAAAAAAAJgAAAAgAAAD//////////w=="/>
                 </a:ext>
               </a:extLst>
             </p:cNvPicPr>
@@ -16335,7 +16530,7 @@
             <p:cNvSpPr>
               <a:extLst>
                 <a:ext uri="smNativeData">
-                  <pr:smNativeData xmlns:pr="smNativeData" xmlns="smNativeData" val="SMDATA_15_JtjWYhMAAAAlAAAAZAAAAE0AAAAAkAAAAEgAAACQAAAASAAAAAAAAAAAAAAAAAAAAAEAAABQAAAAAAAAAAAA4D8AAAAAAADgPwAAAAAAAOA/AAAAAAAA4D8AAAAAAADgPwAAAAAAAOA/AAAAAAAA4D8AAAAAAADgPwAAAAAAAOA/AAAAAAAA4D8CAAAAjAAAAAAAAAAAAAAAT4G9DP///wgAAAAAAAAAAAAAAAAAAAAAAAAAAAAAAAAAAAAAZAAAAAEAAABAAAAAAAAAAAAAAAAAAAAAAAAAAAAAAAAAAAAAAAAAAAAAAAAAAAAAAAAAAAAAAAAAAAAAAAAAAAAAAAAAAAAAAAAAAAAAAAAAAAAAAAAAAAAAAAAAAAAAFAAAADwAAAAAAAAAAAAAAAAAAAAPAAAAAQAAACMAAAAjAAAAIwAAAB4AAAAAAAAAZAAAAGQAAAAAAAAAZAAAAGQAAAAVAAAAYAAAAAAAAAAAAAAADwAAACADAAAAAAAAAAAAAAEAAACgMgAAVgcAAKr4//8BAAAAf39/AAEAAABkAAAAAAAAABQAAABAHwAAAAAAACYAAAAAAAAAwOD//wAAAAAmAAAAZAAAABYAAABMAAAAAAAAAAAAAAAEAAAAAAAAAAEAAADu7OEKAAAAACgAAAAoAAAAZAAAAGQAAAAAAAAAzMzMAAAAAABQAAAAUAAAAGQAAABkAAAAAAAAABcAAAAUAAAAAAAAAAAAAAD/fwAA/38AAAAAAAAJAAAABAAAAE1BQUEeAAAAaAAAAAAAAAAAAAAAAAAAAAAAAAAAAAAAECcAABAnAAAAAAAAAAAAAAAAAAAAAAAAAAAAAAAAAAAAAAAAAAAAABQAAAAAAAAAwMD/AAAAAABkAAAAMgAAAAAAAABkAAAAAAAAAH9/fwAKAAAAIgAAABgAAAAAAAAAAAAAAAAAAAAAAAAAAAAAAAAAAAAkAAAAJAAAAAAAAAAHAAAAAAAAAAAAAAAAAAAAAAAAAAAAAAAAAAAAf39/ACUAAABYAAAAAAAAAAAAAAAAAAAAAAAAAAAAAAAAAAAAAAAAAAAAAAAAAAAAAAAAAAAAAAA/AAAAAAAAAKCGAQAAAAAAAAAAAAAAAAAMAAAAAQAAAAAAAAAAAAAAAAAAAB8AAABUAAAAT4G9Bf///wEAAAAAAAAAAAAAAAAAAAAAAAAAAAAAAAAAAAAAAAAAAAAAAAB/f38A7uzhA8zMzADAwP8Af39/AAAAAAAAAAAAAAAAAAAAAAAAAAAAIQAAABgAAAAUAAAAqwgAAPcPAADnEgAAIRUAAAAgAAAmAAAACAAAAP//////////"/>
+                  <pr:smNativeData xmlns:pr="smNativeData" xmlns="smNativeData" val="SMDATA_15_iunWYhMAAAAlAAAAZAAAAE0AAAAAkAAAAEgAAACQAAAASAAAAAAAAAAAAAAAAAAAAAEAAABQAAAAAAAAAAAA4D8AAAAAAADgPwAAAAAAAOA/AAAAAAAA4D8AAAAAAADgPwAAAAAAAOA/AAAAAAAA4D8AAAAAAADgPwAAAAAAAOA/AAAAAAAA4D8CAAAAjAAAAAAAAAAAAAAAT4G9DP///wgAAAAAAAAAAAAAAAAAAAAAAAAAAAAAAAAAAAAAZAAAAAEAAABAAAAAAAAAAAAAAAAAAAAAAAAAAAAAAAAAAAAAAAAAAAAAAAAAAAAAAAAAAAAAAAAAAAAAAAAAAAAAAAAAAAAAAAAAAAAAAAAAAAAAAAAAAAAAAAAAAAAAFAAAADwAAAAAAAAAAAAAAAAAAAAPAAAAAQAAACMAAAAjAAAAIwAAAB4AAAAAAAAAZAAAAGQAAAAAAAAAZAAAAGQAAAAVAAAAYAAAAAAAAAAAAAAADwAAACADAAAAAAAAAAAAAAEAAACgMgAAVgcAAKr4//8BAAAAf39/AAEAAABkAAAAAAAAABQAAABAHwAAAAAAACYAAAAAAAAAwOD//wAAAAAmAAAAZAAAABYAAABMAAAAAAAAAAAAAAAEAAAAAAAAAAEAAADu7OEKAAAAACgAAAAoAAAAZAAAAGQAAAAAAAAAzMzMAAAAAABQAAAAUAAAAGQAAABkAAAAAAAAABcAAAAUAAAAAAAAAAAAAAD/fwAA/38AAAAAAAAJAAAABAAAAE1BQUEeAAAAaAAAAAAAAAAAAAAAAAAAAAAAAAAAAAAAECcAABAnAAAAAAAAAAAAAAAAAAAAAAAAAAAAAAAAAAAAAAAAAAAAABQAAAAAAAAAwMD/AAAAAABkAAAAMgAAAAAAAABkAAAAAAAAAH9/fwAKAAAAIgAAABgAAAAAAAAAAAAAAAAAAAAAAAAAAAAAAAAAAAAkAAAAJAAAAAAAAAAHAAAAAAAAAAAAAAAAAAAAAAAAAAAAAAAAAAAAf39/ACUAAABYAAAAAAAAAAAAAAAAAAAAAAAAAAAAAAAAAAAAAAAAAAAAAAAAAAAAAAAAAAAAAAA/AAAAAAAAAKCGAQAAAAAAAAAAAAAAAAAMAAAAAQAAAAAAAAAAAAAAAAAAAB8AAABUAAAAT4G9Bf///wEAAAAAAAAAAAAAAAAAAAAAAAAAAAAAAAAAAAAAAAAAAAAAAAB/f38A7uzhA8zMzADAwP8Af39/AAAAAAAAAAAAAAAAAAAAAAAAAAAAIQAAABgAAAAUAAAAqwgAAPcPAADnEgAAIRUAAAAgAAAmAAAACAAAAP//////////"/>
                 </a:ext>
               </a:extLst>
             </p:cNvSpPr>
@@ -16376,7 +16571,7 @@
             <p:cNvSpPr>
               <a:extLst>
                 <a:ext uri="smNativeData">
-                  <pr:smNativeData xmlns:pr="smNativeData" xmlns="smNativeData" val="SMDATA_15_JtjWYhMAAAAlAAAAZAAAAE0AAAAAkAAAAEgAAACQAAAASAAAAAAAAAAAAAAAAAAAAAEAAABQAAAAAAAAAAAA4D8AAAAAAADgPwAAAAAAAOA/AAAAAAAA4D8AAAAAAADgPwAAAAAAAOA/AAAAAAAA4D8AAAAAAADgPwAAAAAAAOA/AAAAAAAA4D8CAAAAjAAAAAEAAAAAAAAA////CP///wgAAAAAAAAAAAAAAAAAAAAAAAAAAAAAAAAAAAAAeAAAAAEAAABAAAAAAAAAAAAAAABaAAAAAAAAAAAAAAAAAAAAAAAAAAAAAAAAAAAAAAAAAAAAAAAAAAAAAAAAAAAAAAAAAAAAAAAAAAAAAAAAAAAAAAAAAAAAAAAAAAAAFAAAADwAAAAAAAAAAAAAAAAAAAAPAAAAAQAAACMAAAAjAAAAIwAAAB4AAAAAAAAAZAAAAGQAAAAAAAAAZAAAAGQAAAAVAAAAYAAAAAAAAAAAAAAADwAAACADAAAAAAAAAAAAAAEAAACgMgAAVgcAAKr4//8BAAAAf39/AAEAAABkAAAAAAAAABQAAABAHwAAAAAAACYAAAAAAAAAwOD//wAAAAAmAAAAZAAAABYAAABMAAAAAAAAAAAAAAAEAAAAAAAAAAEAAADu7OEKAAAAACgAAAAoAAAAZAAAAGQAAAAAAAAAzMzMAAAAAABQAAAAUAAAAGQAAABkAAAAAAAAABcAAAAUAAAAAAAAAAAAAAD/fwAA/38AAAAAAAAJAAAABAAAAEEAQQAeAAAAaAAAAAAAAAAAAAAAAAAAAAAAAAAAAAAAECcAABAnAAAAAAAAAAAAAAAAAAAAAAAAAAAAAAAAAAAAAAAAAAAAABQAAAAAAAAAwMD/AAAAAABkAAAAMgAAAAAAAABkAAAAAAAAAH9/fwAKAAAAIgAAABgAAAAAAAAAAAAAAAAAAAAAAAAAAAAAAAAAAAAkAAAAJAAAAAAAAAAHAAAAAAAAAAAAAAAAAAAAAAAAAAAAAAAAAAAAf39/ACUAAABYAAAAAAAAAAAAAAAAAAAAAAAAAAAAAAAAAAAAAAAAAAAAAAAAAAAAAAAAAAAAAAA/AAAAAAAAAKCGAQAAAAAAAAAAAAAAAAAMAAAAAQAAAAAAAAAAAAAAAAAAAB8AAABUAAAA////Af///wEAAAAAAAAAAAAAAAAAAAAAAAAAAAAAAAAAAAAAAAAAAAAAAAB/f38A7uzhA8zMzADAwP8Af39/AAAAAAAAAAAAAAAAAAAAAAAAAAAAIQAAABgAAAAUAAAABR8AALUYAABkLAAA4B0AAAAgAAAmAAAACAAAAP//////////"/>
+                  <pr:smNativeData xmlns:pr="smNativeData" xmlns="smNativeData" val="SMDATA_15_iunWYhMAAAAlAAAAZAAAAE0AAAAAkAAAAEgAAACQAAAASAAAAAAAAAAAAAAAAAAAAAEAAABQAAAAAAAAAAAA4D8AAAAAAADgPwAAAAAAAOA/AAAAAAAA4D8AAAAAAADgPwAAAAAAAOA/AAAAAAAA4D8AAAAAAADgPwAAAAAAAOA/AAAAAAAA4D8CAAAAjAAAAAEAAAAAAAAA////CP///wgAAAAAAAAAAAAAAAAAAAAAAAAAAAAAAAAAAAAAeAAAAAEAAABAAAAAAAAAAAAAAABaAAAAAAAAAAAAAAAAAAAAAAAAAAAAAAAAAAAAAAAAAAAAAAAAAAAAAAAAAAAAAAAAAAAAAAAAAAAAAAAAAAAAAAAAAAAAAAAAAAAAFAAAADwAAAAAAAAAAAAAAAAAAAAPAAAAAQAAACMAAAAjAAAAIwAAAB4AAAAAAAAAZAAAAGQAAAAAAAAAZAAAAGQAAAAVAAAAYAAAAAAAAAAAAAAADwAAACADAAAAAAAAAAAAAAEAAACgMgAAVgcAAKr4//8BAAAAf39/AAEAAABkAAAAAAAAABQAAABAHwAAAAAAACYAAAAAAAAAwOD//wAAAAAmAAAAZAAAABYAAABMAAAAAAAAAAAAAAAEAAAAAAAAAAEAAADu7OEKAAAAACgAAAAoAAAAZAAAAGQAAAAAAAAAzMzMAAAAAABQAAAAUAAAAGQAAABkAAAAAAAAABcAAAAUAAAAAAAAAAAAAAD/fwAA/38AAAAAAAAJAAAABAAAAEEAQQAeAAAAaAAAAAAAAAAAAAAAAAAAAAAAAAAAAAAAECcAABAnAAAAAAAAAAAAAAAAAAAAAAAAAAAAAAAAAAAAAAAAAAAAABQAAAAAAAAAwMD/AAAAAABkAAAAMgAAAAAAAABkAAAAAAAAAH9/fwAKAAAAIgAAABgAAAAAAAAAAAAAAAAAAAAAAAAAAAAAAAAAAAAkAAAAJAAAAAAAAAAHAAAAAAAAAAAAAAAAAAAAAAAAAAAAAAAAAAAAf39/ACUAAABYAAAAAAAAAAAAAAAAAAAAAAAAAAAAAAAAAAAAAAAAAAAAAAAAAAAAAAAAAAAAAAA/AAAAAAAAAKCGAQAAAAAAAAAAAAAAAAAMAAAAAQAAAAAAAAAAAAAAAAAAAB8AAABUAAAA////Af///wEAAAAAAAAAAAAAAAAAAAAAAAAAAAAAAAAAAAAAAAAAAAAAAAB/f38A7uzhA8zMzADAwP8Af39/AAAAAAAAAAAAAAAAAAAAAAAAAAAAIQAAABgAAAAUAAAABR8AALUYAABkLAAA4B0AAAAgAAAmAAAACAAAAP//////////"/>
                 </a:ext>
               </a:extLst>
             </p:cNvSpPr>
@@ -16419,7 +16614,7 @@
             <p:cNvSpPr>
               <a:extLst>
                 <a:ext uri="smNativeData">
-                  <pr:smNativeData xmlns:pr="smNativeData" xmlns="smNativeData" val="SMDATA_15_JtjWYhMAAAAlAAAAZAAAAE0AAAAAkAAAAEgAAACQAAAASAAAAAAAAAAAAAAAAAAAAAEAAABQAAAAAAAAAAAA4D8AAAAAAADgPwAAAAAAAOA/AAAAAAAA4D8AAAAAAADgPwAAAAAAAOA/AAAAAAAA4D8AAAAAAADgPwAAAAAAAOA/AAAAAAAA4D8CAAAAjAAAAAAAAAAAAAAAT4G9DP///wgAAAAAAAAAAAAAAAAAAAAAAAAAAAAAAAAAAAAAZAAAAAEAAABAAAAAAAAAAAAAAAAAAAAAAAAAAAAAAAAAAAAAAAAAAAAAAAAAAAAAAAAAAAAAAAAAAAAAAAAAAAAAAAAAAAAAAAAAAAAAAAAAAAAAAAAAAAAAAAAAAAAAFAAAADwAAAAAAAAAAAAAAAAAAAAPAAAAAQAAACMAAAAjAAAAIwAAAB4AAAAAAAAAZAAAAGQAAAAAAAAAZAAAAGQAAAAVAAAAYAAAAAAAAAAAAAAADwAAACADAAAAAAAAAAAAAAEAAACgMgAAVgcAAKr4//8BAAAAf39/AAEAAABkAAAAAAAAABQAAABAHwAAAAAAACYAAAAAAAAAwOD//wAAAAAmAAAAZAAAABYAAABMAAAAAAAAAAAAAAAEAAAAAAAAAAEAAADu7OEKAAAAACgAAAAoAAAAZAAAAGQAAAAAAAAAzMzMAAAAAABQAAAAUAAAAGQAAABkAAAAAAAAABcAAAAUAAAAAAAAAAAAAAD/fwAA/38AAAAAAAAJAAAABAAAAAAAAAAeAAAAaAAAAAAAAAAAAAAAAAAAAAAAAAAAAAAAECcAABAnAAAAAAAAAAAAAAAAAAAAAAAAAAAAAAAAAAAAAAAAAAAAABQAAAAAAAAAwMD/AAAAAABkAAAAMgAAAAAAAABkAAAAAAAAAH9/fwAKAAAAIgAAABgAAAAAAAAAAAAAAAAAAAAAAAAAAAAAAAAAAAAkAAAAJAAAAAAAAAAHAAAAAAAAAAAAAAAAAAAAAAAAAAAAAAAAAAAAf39/ACUAAABYAAAAAAAAAAAAAAAAAAAAAAAAAAAAAAAAAAAAAAAAAAAAAAAAAAAAAAAAAAAAAAA/AAAAAAAAAKCGAQAAAAAAAAAAAAAAAAAMAAAAAQAAAAAAAAAAAAAAAAAAAB8AAABUAAAAT4G9Bf///wEAAAAAAAAAAAAAAAAAAAAAAAAAAAAAAAAAAAAAAAAAAAAAAAB/f38A7uzhA8zMzADAwP8Af39/AAAAAAAAAAAAAAAAAAAAAAAAAAAAIQAAABgAAAAUAAAACR0AAM0hAABFJwAA9yYAAAAgAAAmAAAACAAAAP//////////"/>
+                  <pr:smNativeData xmlns:pr="smNativeData" xmlns="smNativeData" val="SMDATA_15_iunWYhMAAAAlAAAAZAAAAE0AAAAAkAAAAEgAAACQAAAASAAAAAAAAAAAAAAAAAAAAAEAAABQAAAAAAAAAAAA4D8AAAAAAADgPwAAAAAAAOA/AAAAAAAA4D8AAAAAAADgPwAAAAAAAOA/AAAAAAAA4D8AAAAAAADgPwAAAAAAAOA/AAAAAAAA4D8CAAAAjAAAAAAAAAAAAAAAT4G9DP///wgAAAAAAAAAAAAAAAAAAAAAAAAAAAAAAAAAAAAAZAAAAAEAAABAAAAAAAAAAAAAAAAAAAAAAAAAAAAAAAAAAAAAAAAAAAAAAAAAAAAAAAAAAAAAAAAAAAAAAAAAAAAAAAAAAAAAAAAAAAAAAAAAAAAAAAAAAAAAAAAAAAAAFAAAADwAAAAAAAAAAAAAAAAAAAAPAAAAAQAAACMAAAAjAAAAIwAAAB4AAAAAAAAAZAAAAGQAAAAAAAAAZAAAAGQAAAAVAAAAYAAAAAAAAAAAAAAADwAAACADAAAAAAAAAAAAAAEAAACgMgAAVgcAAKr4//8BAAAAf39/AAEAAABkAAAAAAAAABQAAABAHwAAAAAAACYAAAAAAAAAwOD//wAAAAAmAAAAZAAAABYAAABMAAAAAAAAAAAAAAAEAAAAAAAAAAEAAADu7OEKAAAAACgAAAAoAAAAZAAAAGQAAAAAAAAAzMzMAAAAAABQAAAAUAAAAGQAAABkAAAAAAAAABcAAAAUAAAAAAAAAAAAAAD/fwAA/38AAAAAAAAJAAAABAAAAAAAAAAeAAAAaAAAAAAAAAAAAAAAAAAAAAAAAAAAAAAAECcAABAnAAAAAAAAAAAAAAAAAAAAAAAAAAAAAAAAAAAAAAAAAAAAABQAAAAAAAAAwMD/AAAAAABkAAAAMgAAAAAAAABkAAAAAAAAAH9/fwAKAAAAIgAAABgAAAAAAAAAAAAAAAAAAAAAAAAAAAAAAAAAAAAkAAAAJAAAAAAAAAAHAAAAAAAAAAAAAAAAAAAAAAAAAAAAAAAAAAAAf39/ACUAAABYAAAAAAAAAAAAAAAAAAAAAAAAAAAAAAAAAAAAAAAAAAAAAAAAAAAAAAAAAAAAAAA/AAAAAAAAAKCGAQAAAAAAAAAAAAAAAAAMAAAAAQAAAAAAAAAAAAAAAAAAAB8AAABUAAAAT4G9Bf///wEAAAAAAAAAAAAAAAAAAAAAAAAAAAAAAAAAAAAAAAAAAAAAAAB/f38A7uzhA8zMzADAwP8Af39/AAAAAAAAAAAAAAAAAAAAAAAAAAAAIQAAABgAAAAUAAAACR0AAM0hAABFJwAA9yYAAAAgAAAmAAAACAAAAP//////////"/>
                 </a:ext>
               </a:extLst>
             </p:cNvSpPr>
@@ -16470,7 +16665,7 @@
             <p:cNvSpPr>
               <a:extLst>
                 <a:ext uri="smNativeData">
-                  <pr:smNativeData xmlns:pr="smNativeData" xmlns="smNativeData" val="SMDATA_15_JtjWYhMAAAAlAAAAZAAAAA0AAAAAkAAAAEgAAACQAAAASAAAAAAAAAABAAAAAAAAAAEAAABQAAAAAAAAAAAA4D8AAAAAAADgPwAAAAAAAOA/AAAAAAAA4D8AAAAAAADgPwAAAAAAAOA/AAAAAAAA4D8AAAAAAADgPwAAAAAAAOA/AAAAAAAA4D8CAAAAjAAAAAEAAAAAAAAA////AKbC/wAAAAAAAAAAAAAAAAAAAAAAAAAAAAAAAAAAAAAAZAAAAAEAAABAAAAAAAAAAJz///9aAAAAAAAAAAAAAAAAAAAAAAAAAAAAAAAAAAAAAAAAAAAAAAAAAAAAAAAAAAAAAAAAAAAAAAAAAAAAAAAAAAAAAAAAAAAAAAAAAAAAFAAAADwAAAABAAAAAAAAAP///wAPAAAAAQAAABQAAAAUAAAAFAAAAAEAAAAAAAAAZAAAAGQAAAAAAAAAZAAAAGQAAAAVAAAAYAAAAAAAAAAAAAAADwAAACADAAAAAAAAAAAAAAEAAACgMgAAVgcAAKr4//8BAAAAf39/AAEAAABkAAAAAAAAABQAAABAHwAAAAAAACYAAAAAAAAAwOD//wAAAAAmAAAAZAAAABYAAABMAAAAAAAAAAAAAAAEAAAAAAAAAAEAAADu7OEKAAAAACgAAAAoAAAAZAAAAGQAAAAAAAAAzMzMAAAAAABQAAAAUAAAAGQAAABkAAAAAAAAABcAAAAUAAAAAAAAAAAAAAD/fwAA/38AAAAAAAAJAAAABAAAAAAAAAAeAAAAaAAAAAAAAAAAAAAAAAAAAAAAAAAAAAAAECcAABAnAAAAAAAAAAAAAAAAAAAAAAAAAAAAAAAAAAAAAAAAAAAAABQAAAAAAAAAwMD/AAAAAABkAAAAMgAAAAAAAABkAAAAAAAAAH9/fwAKAAAAIgAAABgAAAAAAAAAAAAAAAAAAAAAAAAAAAAAAAAAAAAkAAAAJAAAAAAAAAAHAAAAAAAAAAAAAAAAAAAAAAAAAAAAAAAAAAAAf39/ACUAAABYAAAAAAAAAAAAAAAAAAAAAAAAAAAAAAAAAAAAAAAAAAAAAAAAAAAAAAAAAAAAAAA/AAAAAAAAAKCGAQAAAAAAAAAAAAAAAAAMAAAAAQAAAAAAAAAAAAAAAAAAAB8AAABUAAAA////AKbC/wAAAAAAAAAAAAAAAAAAAAAAAAAAAAAAAAAAAAAAAAAAAP///wB/f38A7uzhA8zMzADAwP8Af39/AAAAAAAAAAAAAAAAAAAAAAAAAAAAIQAAABgAAAAUAAAADRsAAEoKAABFJwAADQ0AAAAAAAAmAAAACAAAAP//////////"/>
+                  <pr:smNativeData xmlns:pr="smNativeData" xmlns="smNativeData" val="SMDATA_15_iunWYhMAAAAlAAAAZAAAAA0AAAAAkAAAAEgAAACQAAAASAAAAAAAAAABAAAAAAAAAAEAAABQAAAAAAAAAAAA4D8AAAAAAADgPwAAAAAAAOA/AAAAAAAA4D8AAAAAAADgPwAAAAAAAOA/AAAAAAAA4D8AAAAAAADgPwAAAAAAAOA/AAAAAAAA4D8CAAAAjAAAAAEAAAAAAAAA////AKbC/wAAAAAAAAAAAAAAAAAAAAAAAAAAAAAAAAAAAAAAZAAAAAEAAABAAAAAAAAAAJz///9aAAAAAAAAAAAAAAAAAAAAAAAAAAAAAAAAAAAAAAAAAAAAAAAAAAAAAAAAAAAAAAAAAAAAAAAAAAAAAAAAAAAAAAAAAAAAAAAAAAAAFAAAADwAAAABAAAAAAAAAP///wAPAAAAAQAAABQAAAAUAAAAFAAAAAEAAAAAAAAAZAAAAGQAAAAAAAAAZAAAAGQAAAAVAAAAYAAAAAAAAAAAAAAADwAAACADAAAAAAAAAAAAAAEAAACgMgAAVgcAAKr4//8BAAAAf39/AAEAAABkAAAAAAAAABQAAABAHwAAAAAAACYAAAAAAAAAwOD//wAAAAAmAAAAZAAAABYAAABMAAAAAAAAAAAAAAAEAAAAAAAAAAEAAADu7OEKAAAAACgAAAAoAAAAZAAAAGQAAAAAAAAAzMzMAAAAAABQAAAAUAAAAGQAAABkAAAAAAAAABcAAAAUAAAAAAAAAAAAAAD/fwAA/38AAAAAAAAJAAAABAAAAAAAAAAeAAAAaAAAAAAAAAAAAAAAAAAAAAAAAAAAAAAAECcAABAnAAAAAAAAAAAAAAAAAAAAAAAAAAAAAAAAAAAAAAAAAAAAABQAAAAAAAAAwMD/AAAAAABkAAAAMgAAAAAAAABkAAAAAAAAAH9/fwAKAAAAIgAAABgAAAAAAAAAAAAAAAAAAAAAAAAAAAAAAAAAAAAkAAAAJAAAAAAAAAAHAAAAAAAAAAAAAAAAAAAAAAAAAAAAAAAAAAAAf39/ACUAAABYAAAAAAAAAAAAAAAAAAAAAAAAAAAAAAAAAAAAAAAAAAAAAAAAAAAAAAAAAAAAAAA/AAAAAAAAAKCGAQAAAAAAAAAAAAAAAAAMAAAAAQAAAAAAAAAAAAAAAAAAAB8AAABUAAAA////AKbC/wAAAAAAAAAAAAAAAAAAAAAAAAAAAAAAAAAAAAAAAAAAAP///wB/f38A7uzhA8zMzADAwP8Af39/AAAAAAAAAAAAAAAAAAAAAAAAAAAAIQAAABgAAAAUAAAADRsAAEoKAABFJwAADQ0AAAAAAAAmAAAACAAAAP//////////"/>
                 </a:ext>
               </a:extLst>
             </p:cNvSpPr>
@@ -16518,7 +16713,7 @@
           <p:cNvSpPr>
             <a:extLst>
               <a:ext uri="smNativeData">
-                <pr:smNativeData xmlns:pr="smNativeData" xmlns="smNativeData" val="SMDATA_15_JtjWYhMAAAAlAAAAZAAAAA0AAAAAkAAAAEgAAACQAAAASAAAAAAAAAABAAAAAAAAAAEAAABQAAAAAAAAAAAA4D8AAAAAAADgPwAAAAAAAOA/AAAAAAAA4D8AAAAAAADgPwAAAAAAAOA/AAAAAAAA4D8AAAAAAADgPwAAAAAAAOA/AAAAAAAA4D8CAAAAjAAAAAEAAAAAAAAA////AKbC/wAAAAAAAAAAAAAAAAAAAAAAAAAAAAAAAAAAAAAAZAAAAAEAAABAAAAAAAAAAJz///9aAAAAAAAAAAAAAAAAAAAAAAAAAAAAAAAAAAAAAAAAAAAAAAAAAAAAAAAAAAAAAAAAAAAAAAAAAAAAAAAAAAAAAAAAAAAAAAAAAAAAFAAAADwAAAABAAAAAAAAAP///wAPAAAAAQAAABQAAAAUAAAAFAAAAAEAAAAAAAAAZAAAAGQAAAAAAAAAZAAAAGQAAAAVAAAAYAAAAAAAAAAAAAAADwAAACADAAAAAAAAAAAAAAEAAACgMgAAVgcAAKr4//8BAAAAf39/AAEAAABkAAAAAAAAABQAAABAHwAAAAAAACYAAAAAAAAAwOD//wAAAAAmAAAAZAAAABYAAABMAAAAAAAAAAAAAAAEAAAAAAAAAAEAAADu7OEKAAAAACgAAAAoAAAAZAAAAGQAAAAAAAAAzMzMAAAAAABQAAAAUAAAAGQAAABkAAAAAAAAABcAAAAUAAAAAAAAAAAAAAD/fwAA/38AAAAAAAAJAAAABAAAAAAAAAAeAAAAaAAAAAAAAAAAAAAAAAAAAAAAAAAAAAAAECcAABAnAAAAAAAAAAAAAAAAAAAAAAAAAAAAAAAAAAAAAAAAAAAAABQAAAAAAAAAwMD/AAAAAABkAAAAMgAAAAAAAABkAAAAAAAAAH9/fwAKAAAAIgAAABgAAAAAAAAAAAAAAAAAAAAAAAAAAAAAAAAAAAAkAAAAJAAAAAAAAAAHAAAAAAAAAAAAAAAAAAAAAAAAAAAAAAAAAAAAf39/ACUAAABYAAAAAAAAAAAAAAAAAAAAAAAAAAAAAAAAAAAAAAAAAAAAAAAAAAAAAAAAAAAAAAA/AAAAAAAAAKCGAQAAAAAAAAAAAAAAAAAMAAAAAQAAAAAAAAAAAAAAAAAAAB8AAABUAAAA////AKbC/wAAAAAAAAAAAAAAAAAAAAAAAAAAAAAAAAAAAAAAAAAAAP///wB/f38A7uzhA8zMzADAwP8Af39/AAAAAAAAAAAAAAAAAAAAAAAAAAAAIQAAABgAAAAUAAAABR8AABwRAAD8MAAAhBcAABAAAAAmAAAACAAAAP//////////"/>
+                <pr:smNativeData xmlns:pr="smNativeData" xmlns="smNativeData" val="SMDATA_15_iunWYhMAAAAlAAAAZAAAAA0AAAAAkAAAAEgAAACQAAAASAAAAAAAAAABAAAAAAAAAAEAAABQAAAAAAAAAAAA4D8AAAAAAADgPwAAAAAAAOA/AAAAAAAA4D8AAAAAAADgPwAAAAAAAOA/AAAAAAAA4D8AAAAAAADgPwAAAAAAAOA/AAAAAAAA4D8CAAAAjAAAAAEAAAAAAAAA////AKbC/wAAAAAAAAAAAAAAAAAAAAAAAAAAAAAAAAAAAAAAZAAAAAEAAABAAAAAAAAAAJz///9aAAAAAAAAAAAAAAAAAAAAAAAAAAAAAAAAAAAAAAAAAAAAAAAAAAAAAAAAAAAAAAAAAAAAAAAAAAAAAAAAAAAAAAAAAAAAAAAAAAAAFAAAADwAAAABAAAAAAAAAP///wAPAAAAAQAAABQAAAAUAAAAFAAAAAEAAAAAAAAAZAAAAGQAAAAAAAAAZAAAAGQAAAAVAAAAYAAAAAAAAAAAAAAADwAAACADAAAAAAAAAAAAAAEAAACgMgAAVgcAAKr4//8BAAAAf39/AAEAAABkAAAAAAAAABQAAABAHwAAAAAAACYAAAAAAAAAwOD//wAAAAAmAAAAZAAAABYAAABMAAAAAAAAAAAAAAAEAAAAAAAAAAEAAADu7OEKAAAAACgAAAAoAAAAZAAAAGQAAAAAAAAAzMzMAAAAAABQAAAAUAAAAGQAAABkAAAAAAAAABcAAAAUAAAAAAAAAAAAAAD/fwAA/38AAAAAAAAJAAAABAAAAAAAAAAeAAAAaAAAAAAAAAAAAAAAAAAAAAAAAAAAAAAAECcAABAnAAAAAAAAAAAAAAAAAAAAAAAAAAAAAAAAAAAAAAAAAAAAABQAAAAAAAAAwMD/AAAAAABkAAAAMgAAAAAAAABkAAAAAAAAAH9/fwAKAAAAIgAAABgAAAAAAAAAAAAAAAAAAAAAAAAAAAAAAAAAAAAkAAAAJAAAAAAAAAAHAAAAAAAAAAAAAAAAAAAAAAAAAAAAAAAAAAAAf39/ACUAAABYAAAAAAAAAAAAAAAAAAAAAAAAAAAAAAAAAAAAAAAAAAAAAAAAAAAAAAAAAAAAAAA/AAAAAAAAAKCGAQAAAAAAAAAAAAAAAAAMAAAAAQAAAAAAAAAAAAAAAAAAAB8AAABUAAAA////AKbC/wAAAAAAAAAAAAAAAAAAAAAAAAAAAAAAAAAAAAAAAAAAAP///wB/f38A7uzhA8zMzADAwP8Af39/AAAAAAAAAAAAAAAAAAAAAAAAAAAAIQAAABgAAAAUAAAABR8AABwRAAD8MAAAhBcAABAAAAAmAAAACAAAAP//////////"/>
               </a:ext>
             </a:extLst>
           </p:cNvSpPr>
@@ -16598,7 +16793,7 @@
             <a:spLocks noGrp="1" noChangeArrowheads="1"/>
             <a:extLst>
               <a:ext uri="smNativeData">
-                <pr:smNativeData xmlns:pr="smNativeData" xmlns="smNativeData" val="SMDATA_15_JtjWYhMAAAAlAAAAZAAAAA0AAAAAkAAAAEgAAACQAAAASAAAAAAAAAABAAAAAAAAAAEAAABQAAAAAAAAAAAA4D8AAAAAAADgPwAAAAAAAOA/AAAAAAAA4D8AAAAAAADgPwAAAAAAAOA/AAAAAAAA4D8AAAAAAADgPwAAAAAAAOA/AAAAAAAA4D8CAAAAjAAAAAAAAAAAAAAAT4G9DP///wgAAAAAAAAAAAAAAAAAAAAAAAAAAAAAAAAAAAAAZAAAAAEAAABAAAAAAAAAAAAAAAAAAAAAAAAAAAAAAAAAAAAAAAAAAAAAAAAAAAAAAAAAAAAAAAAAAAAAAAAAAAAAAAAAAAAAAAAAAAAAAAAAAAAAAAAAAAAAAAAAAAAAFAAAADwAAAAAAAAAAAAAAAAAAAkUAAAAAQAAABQAAAAUAAAAFAAAAAEAAAAAAAAAZAAAAGQAAAAAAAAAZAAAAGQAAAAVAAAAYAAAAAAAAAAAAAAADwAAACADAAAAAAAAAAAAAAEAAACgMgAAVgcAAKr4//8BAAAAf39/AAEAAABkAAAAAAAAABQAAABAHwAAAAAAACYAAAAAAAAAwOD//wAAAAAmAAAAZAAAABYAAABMAAAAAAAAAAAAAAAEAAAAAAAAAAEAAADu7OEKAAAAACgAAAAoAAAAZAAAAGQAAAAAAAAAzMzMAAAAAABQAAAAUAAAAGQAAABkAAAAAAAAABcAAAAUAAAAAAAAAAAAAAD/fwAA/38AAAAAAAAJAAAABAAAAD7o2aweAAAAaAAAAAAAAAAAAAAAAAAAAAAAAAAAAAAAECcAABAnAAAAAAAAAAAAAAAAAAAAAAAAAAAAAAAAAAAAAAAAAAAAABQAAAAAAAAAwMD/AAAAAABkAAAAMgAAAAAAAABkAAAAAAAAAH9/fwAKAAAAIgAAABgAAAAAAAAAAAAAAAAAAAAAAAAAAAAAAAAAAAAkAAAAJAAAAAAAAAAHAAAAAAAAAAAAAAAAAAAAAAAAAAAAAAAAAAAAf39/ACUAAABYAAAAAAAAAAAAAAAAAAAAAAAAAAAAAAAAAAAAAAAAAAAAAAAAAAAAAAAAAAAAAAA/AAAAAAAAAKCGAQAAAAAAAAAAAAAAAAAMAAAAAQAAAAAAAAAAAAAAAAAAAB8AAABUAAAAT4G9Bf///wEAAAAAAAAAAAAAAAAAAAAAAAAAAAAAAAAAAAAAAAAAAAAAAAJ/f38A7uzhA8zMzADAwP8Af39/AAAAAAAAAAAAAAAAAAAAAAAAAAAAIQAAABgAAAAUAAAA0AIAALEBAABwNQAAuQgAABAAAAAmAAAACAAAAAAgAAAAAAAA"/>
+                <pr:smNativeData xmlns:pr="smNativeData" xmlns="smNativeData" val="SMDATA_15_iunWYhMAAAAlAAAAZAAAAA0AAAAAkAAAAEgAAACQAAAASAAAAAAAAAABAAAAAAAAAAEAAABQAAAAAAAAAAAA4D8AAAAAAADgPwAAAAAAAOA/AAAAAAAA4D8AAAAAAADgPwAAAAAAAOA/AAAAAAAA4D8AAAAAAADgPwAAAAAAAOA/AAAAAAAA4D8CAAAAjAAAAAAAAAAAAAAAT4G9DP///wgAAAAAAAAAAAAAAAAAAAAAAAAAAAAAAAAAAAAAZAAAAAEAAABAAAAAAAAAAAAAAAAAAAAAAAAAAAAAAAAAAAAAAAAAAAAAAAAAAAAAAAAAAAAAAAAAAAAAAAAAAAAAAAAAAAAAAAAAAAAAAAAAAAAAAAAAAAAAAAAAAAAAFAAAADwAAAAAAAAAAAAAAAAAAAkUAAAAAQAAABQAAAAUAAAAFAAAAAEAAAAAAAAAZAAAAGQAAAAAAAAAZAAAAGQAAAAVAAAAYAAAAAAAAAAAAAAADwAAACADAAAAAAAAAAAAAAEAAACgMgAAVgcAAKr4//8BAAAAf39/AAEAAABkAAAAAAAAABQAAABAHwAAAAAAACYAAAAAAAAAwOD//wAAAAAmAAAAZAAAABYAAABMAAAAAAAAAAAAAAAEAAAAAAAAAAEAAADu7OEKAAAAACgAAAAoAAAAZAAAAGQAAAAAAAAAzMzMAAAAAABQAAAAUAAAAGQAAABkAAAAAAAAABcAAAAUAAAAAAAAAAAAAAD/fwAA/38AAAAAAAAJAAAABAAAAD7o2aweAAAAaAAAAAAAAAAAAAAAAAAAAAAAAAAAAAAAECcAABAnAAAAAAAAAAAAAAAAAAAAAAAAAAAAAAAAAAAAAAAAAAAAABQAAAAAAAAAwMD/AAAAAABkAAAAMgAAAAAAAABkAAAAAAAAAH9/fwAKAAAAIgAAABgAAAAAAAAAAAAAAAAAAAAAAAAAAAAAAAAAAAAkAAAAJAAAAAAAAAAHAAAAAAAAAAAAAAAAAAAAAAAAAAAAAAAAAAAAf39/ACUAAABYAAAAAAAAAAAAAAAAAAAAAAAAAAAAAAAAAAAAAAAAAAAAAAAAAAAAAAAAAAAAAAA/AAAAAAAAAKCGAQAAAAAAAAAAAAAAAAAMAAAAAQAAAAAAAAAAAAAAAAAAAB8AAABUAAAAT4G9Bf///wEAAAAAAAAAAAAAAAAAAAAAAAAAAAAAAAAAAAAAAAAAAAAAAAJ/f38A7uzhA8zMzADAwP8Af39/AAAAAAAAAAAAAAAAAAAAAAAAAAAAIQAAABgAAAAUAAAA0AIAALEBAABwNQAAuQgAABAAAAAmAAAACAAAAAAgAAAAAAAA"/>
               </a:ext>
             </a:extLst>
           </p:cNvSpPr>
@@ -16638,7 +16833,7 @@
             <a:picLocks noChangeAspect="1"/>
             <a:extLst>
               <a:ext uri="smNativeData">
-                <pr:smNativeData xmlns:pr="smNativeData" xmlns="smNativeData" val="SMDATA_17_JtjWYhMAAAAlAAAAEQAAAC0AAAAAkAAAAEgAAACQAAAASAAAAAAAAAAAAAAAAAAAAAEAAABQAAAAAAAAAAAA4D8AAAAAAADgPwAAAAAAAOA/AAAAAAAA4D8AAAAAAADgPwAAAAAAAOA/AAAAAAAA4D8AAAAAAADgPwAAAAAAAOA/AAAAAAAA4D8CAAAAjAAAAAAAAAAAAAAAT4G9DP///wgAAAAAAAAAAAAAAAAAAAAAAAAAAAAAAAAAAAAAZAAAAAEAAABAAAAAAAAAAAAAAAAAAAAAAAAAAAAAAAAAAAAAAAAAAAAAAAAAAAAAAAAAAAAAAAAAAAAAAAAAAAAAAAAAAAAAAAAAAAAAAAAAAAAAAAAAAAAAAAAAAAAAFAAAADwAAAAAAAAAAAAAAAAAAAkUAAAAAQAAABQAAAAUAAAAFAAAAAEAAAAAAAAAZAAAAGQAAAAAAAAAZAAAAGQAAAAVAAAAYAAAAAAAAAAAAAAADwAAACADAAAAAAAAAAAAAAEAAACgMgAAVgcAAKr4//8BAAAAf39/AAEAAABkAAAAAAAAABQAAABAHwAAAAAAACYAAAAAAAAAwOD//wAAAAAmAAAAZAAAABYAAABMAAAAAAAAAAAAAAAEAAAAAAAAAAEAAADu7OEKAAAAACgAAAAoAAAAZAAAAGQAAAAAAAAAzMzMAAAAAABQAAAAUAAAAGQAAABkAAAAAAAAAAcAAAA4AAAAAAAAAAAAAAAAAAAA////AAAAAAAAAAAAAAAAAAAAAAAAAAAAAAAAAAAAAABkAAAAZAAAAAAAAAAjAAAABAAAAGQAAAAXAAAAFAAAAAAAAAAAAAAA/38AAP9/AAAAAAAACQAAAAQAAAAAAAAAHgAAAGgAAAAAAAAAAAAAAAAAAAAAAAAAAAAAABAnAAAQJwAAAAAAAAAAAAAAAAAAAAAAAAAAAAAAAAAAAAAAAAAAAAAUAAAAAAAAAMDA/wAAAAAAZAAAADIAAAAAAAAAZAAAAAAAAAB/f38ACgAAACIAAAAYAAAAAAAAAAAAAAAAAAAAAAAAAAAAAAAAAAAAJAAAACQAAAAAAAAABwAAAAAAAAAAAAAAAAAAAAAAAAAAAAAAAAAAAH9/fwAlAAAAWAAAAAAAAAAAAAAAAAAAAAAAAAAAAAAAAAAAAAAAAAAAAAAAAAAAAAAAAAAAAAAAPwAAAAAAAACghgEAAAAAAAAAAAAAAAAADAAAAAEAAAAAAAAAAAAAAAAAAAAfAAAAVAAAAE+BvQX///8BAAAAAAAAAAAAAAAAAAAAAAAAAAAAAAAAAAAAAAAAAAAAAAACf39/AO7s4QPMzMwAwMD/AH9/fwAAAAAAAAAAAAAAAAD///8AAAAAACEAAAAYAAAAFAAAAAAAAACOCgAAfDgAAAgqAAAQAAAAJgAAAAgAAAD//////////w=="/>
+                <pr:smNativeData xmlns:pr="smNativeData" xmlns="smNativeData" val="SMDATA_17_iunWYhMAAAAlAAAAEQAAAC0AAAAAkAAAAEgAAACQAAAASAAAAAAAAAAAAAAAAAAAAAEAAABQAAAAAAAAAAAA4D8AAAAAAADgPwAAAAAAAOA/AAAAAAAA4D8AAAAAAADgPwAAAAAAAOA/AAAAAAAA4D8AAAAAAADgPwAAAAAAAOA/AAAAAAAA4D8CAAAAjAAAAAAAAAAAAAAAT4G9DP///wgAAAAAAAAAAAAAAAAAAAAAAAAAAAAAAAAAAAAAZAAAAAEAAABAAAAAAAAAAAAAAAAAAAAAAAAAAAAAAAAAAAAAAAAAAAAAAAAAAAAAAAAAAAAAAAAAAAAAAAAAAAAAAAAAAAAAAAAAAAAAAAAAAAAAAAAAAAAAAAAAAAAAFAAAADwAAAAAAAAAAAAAAAAAAAkUAAAAAQAAABQAAAAUAAAAFAAAAAEAAAAAAAAAZAAAAGQAAAAAAAAAZAAAAGQAAAAVAAAAYAAAAAAAAAAAAAAADwAAACADAAAAAAAAAAAAAAEAAACgMgAAVgcAAKr4//8BAAAAf39/AAEAAABkAAAAAAAAABQAAABAHwAAAAAAACYAAAAAAAAAwOD//wAAAAAmAAAAZAAAABYAAABMAAAAAAAAAAAAAAAEAAAAAAAAAAEAAADu7OEKAAAAACgAAAAoAAAAZAAAAGQAAAAAAAAAzMzMAAAAAABQAAAAUAAAAGQAAABkAAAAAAAAAAcAAAA4AAAAAAAAAAAAAAAAAAAA////AAAAAAAAAAAAAAAAAAAAAAAAAAAAAAAAAAAAAABkAAAAZAAAAAAAAAAjAAAABAAAAGQAAAAXAAAAFAAAAAAAAAAAAAAA/38AAP9/AAAAAAAACQAAAAQAAAAAAAAAHgAAAGgAAAAAAAAAAAAAAAAAAAAAAAAAAAAAABAnAAAQJwAAAAAAAAAAAAAAAAAAAAAAAAAAAAAAAAAAAAAAAAAAAAAUAAAAAAAAAMDA/wAAAAAAZAAAADIAAAAAAAAAZAAAAAAAAAB/f38ACgAAACIAAAAYAAAAAAAAAAAAAAAAAAAAAAAAAAAAAAAAAAAAJAAAACQAAAAAAAAABwAAAAAAAAAAAAAAAAAAAAAAAAAAAAAAAAAAAH9/fwAlAAAAWAAAAAAAAAAAAAAAAAAAAAAAAAAAAAAAAAAAAAAAAAAAAAAAAAAAAAAAAAAAAAAAPwAAAAAAAACghgEAAAAAAAAAAAAAAAAADAAAAAEAAAAAAAAAAAAAAAAAAAAfAAAAVAAAAE+BvQX///8BAAAAAAAAAAAAAAAAAAAAAAAAAAAAAAAAAAAAAAAAAAAAAAACf39/AO7s4QPMzMwAwMD/AH9/fwAAAAAAAAAAAAAAAAD///8AAAAAACEAAAAYAAAAFAAAAAAAAACOCgAAfDgAAAgqAAAQAAAAJgAAAAgAAAD//////////w=="/>
               </a:ext>
             </a:extLst>
           </p:cNvPicPr>

--- a/COME_courses/Cambridge_2022/6_Bayesian_inference/RevBayesIntro.pptx
+++ b/COME_courses/Cambridge_2022/6_Bayesian_inference/RevBayesIntro.pptx
@@ -24,33 +24,34 @@
     <p:sldId id="272" r:id="rId22"/>
     <p:sldId id="275" r:id="rId23"/>
     <p:sldId id="296" r:id="rId24"/>
-    <p:sldId id="298" r:id="rId25"/>
-    <p:sldId id="297" r:id="rId26"/>
-    <p:sldId id="273" r:id="rId27"/>
-    <p:sldId id="274" r:id="rId28"/>
-    <p:sldId id="276" r:id="rId29"/>
-    <p:sldId id="303" r:id="rId30"/>
-    <p:sldId id="306" r:id="rId31"/>
-    <p:sldId id="305" r:id="rId32"/>
-    <p:sldId id="304" r:id="rId33"/>
-    <p:sldId id="307" r:id="rId34"/>
-    <p:sldId id="299" r:id="rId35"/>
-    <p:sldId id="308" r:id="rId36"/>
-    <p:sldId id="277" r:id="rId37"/>
-    <p:sldId id="278" r:id="rId38"/>
-    <p:sldId id="279" r:id="rId39"/>
-    <p:sldId id="280" r:id="rId40"/>
-    <p:sldId id="281" r:id="rId41"/>
-    <p:sldId id="282" r:id="rId42"/>
-    <p:sldId id="283" r:id="rId43"/>
-    <p:sldId id="284" r:id="rId44"/>
-    <p:sldId id="285" r:id="rId45"/>
-    <p:sldId id="288" r:id="rId46"/>
-    <p:sldId id="289" r:id="rId47"/>
-    <p:sldId id="292" r:id="rId48"/>
-    <p:sldId id="294" r:id="rId49"/>
-    <p:sldId id="295" r:id="rId50"/>
-    <p:sldId id="287" r:id="rId51"/>
+    <p:sldId id="309" r:id="rId25"/>
+    <p:sldId id="298" r:id="rId26"/>
+    <p:sldId id="297" r:id="rId27"/>
+    <p:sldId id="273" r:id="rId28"/>
+    <p:sldId id="274" r:id="rId29"/>
+    <p:sldId id="276" r:id="rId30"/>
+    <p:sldId id="303" r:id="rId31"/>
+    <p:sldId id="306" r:id="rId32"/>
+    <p:sldId id="305" r:id="rId33"/>
+    <p:sldId id="304" r:id="rId34"/>
+    <p:sldId id="307" r:id="rId35"/>
+    <p:sldId id="299" r:id="rId36"/>
+    <p:sldId id="308" r:id="rId37"/>
+    <p:sldId id="277" r:id="rId38"/>
+    <p:sldId id="278" r:id="rId39"/>
+    <p:sldId id="279" r:id="rId40"/>
+    <p:sldId id="280" r:id="rId41"/>
+    <p:sldId id="281" r:id="rId42"/>
+    <p:sldId id="282" r:id="rId43"/>
+    <p:sldId id="283" r:id="rId44"/>
+    <p:sldId id="284" r:id="rId45"/>
+    <p:sldId id="285" r:id="rId46"/>
+    <p:sldId id="288" r:id="rId47"/>
+    <p:sldId id="289" r:id="rId48"/>
+    <p:sldId id="292" r:id="rId49"/>
+    <p:sldId id="294" r:id="rId50"/>
+    <p:sldId id="295" r:id="rId51"/>
+    <p:sldId id="287" r:id="rId52"/>
   </p:sldIdLst>
   <p:sldSz cx="9144000" cy="6858000"/>
   <p:notesSz cx="6858000" cy="9144000"/>
@@ -281,7 +282,7 @@
             <a:spLocks noGrp="1" noChangeArrowheads="1"/>
             <a:extLst>
               <a:ext uri="smNativeData">
-                <pr:smNativeData xmlns:pr="smNativeData" xmlns="smNativeData" val="SMDATA_15_iunWYhMAAAAlAAAAZAAAAA0AAAAAkAAAAEgAAACQAAAASAAAAAAAAAABAAAAAAAAAAEAAABQAAAAAAAAAAAA4D8AAAAAAADgPwAAAAAAAOA/AAAAAAAA4D8AAAAAAADgPwAAAAAAAOA/AAAAAAAA4D8AAAAAAADgPwAAAAAAAOA/AAAAAAAA4D8CAAAAjAAAAAAAAAAAAAAAT4G9DP///wgAAAAAAAAAAAAAAAAAAAAAAAAAAAAAAAAAAAAAZAAAAAEAAABAAAAAAAAAAAAAAAAAAAAAAAAAAAAAAAAAAAAAAAAAAAAAAAAAAAAAAAAAAAAAAAAAAAAAAAAAAAAAAAAAAAAAAAAAAAAAAAAAAAAAAAAAAAAAAAAAAAAAFAAAADwAAAAAAAAAAAAAAAAAAAkUAAAAAQAAABQAAAAUAAAAFAAAAAEAAAAAAAAAZAAAAGQAAAAAAAAAZAAAAGQAAAAVAAAAYAAAAAAAAAAAAAAADwAAACADAAAAAAAAAAAAAAEAAACgMgAAVgcAAKr4//8BAAAAf39/AAEAAABkAAAAAAAAABQAAABAHwAAAAAAACYAAAAAAAAAwOD//wAAAAAmAAAAZAAAABYAAABMAAAAAAAAAAAAAAAEAAAAAAAAAAEAAADu7OEKAAAAACgAAAAoAAAAZAAAAGQAAAAAAAAAzMzMAAAAAABQAAAAUAAAAGQAAABkAAAAAAAAABcAAAAUAAAAAAAAAAAAAAD/fwAA/38AAAAAAAAJAAAABAAAADAwIiAeAAAAaAAAAAAAAAAAAAAAAAAAAAAAAAAAAAAAECcAABAnAAAAAAAAAAAAAAAAAAAAAAAAAAAAAAAAAAAAAAAAAAAAABQAAAAAAAAAwMD/AAAAAABkAAAAMgAAAAAAAABkAAAAAAAAAH9/fwAKAAAAIgAAABgAAAAAAAAAAAAAAAAAAAAAAAAAAAAAAAAAAAAkAAAAJAAAAAAAAAAHAAAAAAAAAAAAAAAAAAAAAAAAAAAAAAAAAAAAf39/ACUAAABYAAAAAAAAAAAAAAAAAAAAAAAAAAAAAAAAAAAAAAAAAAAAAAAAAAAAAAAAAAAAAAA/AAAAAAAAAKCGAQAAAAAAAAAAAAAAAAAMAAAAAQAAAAAAAAAAAAAAAAAAAB8AAABUAAAAAAAABQAAAAEAAAAAAAAAAAAAAAAAAAAAAAAAAAAAAAAAAAAAAAAAAAAAAAJ/f38AAAAAA8zMzADAwP8Af39/AAAAAAAAAAAAAAAAAAAAAAAAAAAAIQAAABgAAAAUAAAAOAQAABsNAAAINAAAJhYAABAAAAAmAAAACAAAAAEAAAAAAAAA"/>
+                <pr:smNativeData xmlns:pr="smNativeData" xmlns="smNativeData" val="SMDATA_15_0rbXYhMAAAAlAAAAZAAAAA0AAAAAkAAAAEgAAACQAAAASAAAAAAAAAABAAAAAAAAAAEAAABQAAAAAAAAAAAA4D8AAAAAAADgPwAAAAAAAOA/AAAAAAAA4D8AAAAAAADgPwAAAAAAAOA/AAAAAAAA4D8AAAAAAADgPwAAAAAAAOA/AAAAAAAA4D8CAAAAjAAAAAAAAAAAAAAAT4G9DP///wgAAAAAAAAAAAAAAAAAAAAAAAAAAAAAAAAAAAAAZAAAAAEAAABAAAAAAAAAAAAAAAAAAAAAAAAAAAAAAAAAAAAAAAAAAAAAAAAAAAAAAAAAAAAAAAAAAAAAAAAAAAAAAAAAAAAAAAAAAAAAAAAAAAAAAAAAAAAAAAAAAAAAFAAAADwAAAAAAAAAAAAAAAAAAAkUAAAAAQAAABQAAAAUAAAAFAAAAAEAAAAAAAAAZAAAAGQAAAAAAAAAZAAAAGQAAAAVAAAAYAAAAAAAAAAAAAAADwAAACADAAAAAAAAAAAAAAEAAACgMgAAVgcAAKr4//8BAAAAf39/AAEAAABkAAAAAAAAABQAAABAHwAAAAAAACYAAAAAAAAAwOD//wAAAAAmAAAAZAAAABYAAABMAAAAAAAAAAAAAAAEAAAAAAAAAAEAAADu7OEKAAAAACgAAAAoAAAAZAAAAGQAAAAAAAAAzMzMAAAAAABQAAAAUAAAAGQAAABkAAAAAAAAABcAAAAUAAAAAAAAAAAAAAD/fwAA/38AAAAAAAAJAAAABAAAADAwIiAeAAAAaAAAAAAAAAAAAAAAAAAAAAAAAAAAAAAAECcAABAnAAAAAAAAAAAAAAAAAAAAAAAAAAAAAAAAAAAAAAAAAAAAABQAAAAAAAAAwMD/AAAAAABkAAAAMgAAAAAAAABkAAAAAAAAAH9/fwAKAAAAIgAAABgAAAAAAAAAAAAAAAAAAAAAAAAAAAAAAAAAAAAkAAAAJAAAAAAAAAAHAAAAAAAAAAAAAAAAAAAAAAAAAAAAAAAAAAAAf39/ACUAAABYAAAAAAAAAAAAAAAAAAAAAAAAAAAAAAAAAAAAAAAAAAAAAAAAAAAAAAAAAAAAAAA/AAAAAAAAAKCGAQAAAAAAAAAAAAAAAAAMAAAAAQAAAAAAAAAAAAAAAAAAAB8AAABUAAAAAAAABQAAAAEAAAAAAAAAAAAAAAAAAAAAAAAAAAAAAAAAAAAAAAAAAAAAAAJ/f38AAAAAA8zMzADAwP8Af39/AAAAAAAAAAAAAAAAAAAAAAAAAAAAIQAAABgAAAAUAAAAOAQAABsNAAAINAAAJhYAABAAAAAmAAAACAAAAAEAAAAAAAAA"/>
               </a:ext>
             </a:extLst>
           </p:cNvSpPr>
@@ -315,7 +316,7 @@
             <a:spLocks noGrp="1" noChangeArrowheads="1"/>
             <a:extLst>
               <a:ext uri="smNativeData">
-                <pr:smNativeData xmlns:pr="smNativeData" xmlns="smNativeData" val="SMDATA_15_iunWYhMAAAAlAAAAZAAAAA0AAAAAkAAAAEgAAACQAAAASAAAAAAAAAAAAAAAAAAAAAEAAABQAAAAAAAAAAAA4D8AAAAAAADgPwAAAAAAAOA/AAAAAAAA4D8AAAAAAADgPwAAAAAAAOA/AAAAAAAA4D8AAAAAAADgPwAAAAAAAOA/AAAAAAAA4D8CAAAAjAAAAAAAAAAAAAAAT4G9DP///wgAAAAAAAAAAAAAAAAAAAAAAAAAAAAAAAAAAAAAZAAAAAEAAABAAAAAAAAAAAAAAAAAAAAAAAAAAAAAAAAAAAAAAAAAAAAAAAAAAAAAAAAAAAAAAAAAAAAAAAAAAAAAAAAAAAAAAAAAAAAAAAAAAAAAAAAAAAAAAAAAAAAAFAAAADwAAAAAAAAAAAAAAAAAAAkUAAAAAQAAABQAAAAUAAAAFAAAAAEAAAAAAAAAZAAAAGQAAAAAAAAAZAAAAGQAAAAVAAAAYAAAAAAAAAAAAAAADwAAACADAAAAAAAAAAAAAAEAAACgMgAAVgcAAKr4//8BAAAAf39/AAEAAABkAAAAAAAAABQAAABAHwAAAAAAACYAAAAAAAAAwOD//wAAAAAmAAAAZAAAABYAAABMAAAAAAAAAAAAAAAEAAAAAAAAAAEAAADu7OEKAAAAACgAAAAoAAAAZAAAAGQAAAAAAAAAzMzMAAAAAABQAAAAUAAAAGQAAABkAAAAAAAAABcAAAAUAAAAAAAAAAAAAAD/fwAA/38AAAAAAAAJAAAABAAAAAAAAAEeAAAAaAAAAAAAAAAAAAAAAAAAAAAAAAAAAAAAECcAABAnAAAAAAAAAAAAAAAAAAAAAAAAAAAAAAAAAAAAAAAAAAAAABQAAAAAAAAAwMD/AAAAAABkAAAAMgAAAAAAAABkAAAAAAAAAH9/fwAKAAAAIgAAABgAAAAAAAAAAAAAAAAAAAAAAAAAAAAAAAAAAAAkAAAAJAAAAAAAAAAHAAAAAAAAAAAAAAAAAAAAAAAAAAAAAAAAAAAAf39/ACUAAABYAAAAAAAAAAAAAAAAAAAAAAAAAAAAAAAAAAAAAAAAAAAAAAAAAAAAAAAAAAAAAAA/AAAAAAAAAKCGAQAAAAAAAAAAAAAAAAAMAAAAAQAAAAAAAAAAAAAAAAAAAB8AAABUAAAAAAAABQAAAAEAAAAAAAAAAAAAAAAAAAAAAAAAAAAAAAAAAAAAAAAAAAAAAAJ/f38AAAAAA8zMzADAwP8Af39/AAAAAAAAAAAAAAAAAAAAAAAAAAAAIQAAABgAAAAUAAAAcAgAAOgXAADQLwAAsCIAABAAAAAmAAAACAAAAAGAAAAAAAAA"/>
+                <pr:smNativeData xmlns:pr="smNativeData" xmlns="smNativeData" val="SMDATA_15_0rbXYhMAAAAlAAAAZAAAAA0AAAAAkAAAAEgAAACQAAAASAAAAAAAAAAAAAAAAAAAAAEAAABQAAAAAAAAAAAA4D8AAAAAAADgPwAAAAAAAOA/AAAAAAAA4D8AAAAAAADgPwAAAAAAAOA/AAAAAAAA4D8AAAAAAADgPwAAAAAAAOA/AAAAAAAA4D8CAAAAjAAAAAAAAAAAAAAAT4G9DP///wgAAAAAAAAAAAAAAAAAAAAAAAAAAAAAAAAAAAAAZAAAAAEAAABAAAAAAAAAAAAAAAAAAAAAAAAAAAAAAAAAAAAAAAAAAAAAAAAAAAAAAAAAAAAAAAAAAAAAAAAAAAAAAAAAAAAAAAAAAAAAAAAAAAAAAAAAAAAAAAAAAAAAFAAAADwAAAAAAAAAAAAAAAAAAAkUAAAAAQAAABQAAAAUAAAAFAAAAAEAAAAAAAAAZAAAAGQAAAAAAAAAZAAAAGQAAAAVAAAAYAAAAAAAAAAAAAAADwAAACADAAAAAAAAAAAAAAEAAACgMgAAVgcAAKr4//8BAAAAf39/AAEAAABkAAAAAAAAABQAAABAHwAAAAAAACYAAAAAAAAAwOD//wAAAAAmAAAAZAAAABYAAABMAAAAAAAAAAAAAAAEAAAAAAAAAAEAAADu7OEKAAAAACgAAAAoAAAAZAAAAGQAAAAAAAAAzMzMAAAAAABQAAAAUAAAAGQAAABkAAAAAAAAABcAAAAUAAAAAAAAAAAAAAD/fwAA/38AAAAAAAAJAAAABAAAAAAAAAEeAAAAaAAAAAAAAAAAAAAAAAAAAAAAAAAAAAAAECcAABAnAAAAAAAAAAAAAAAAAAAAAAAAAAAAAAAAAAAAAAAAAAAAABQAAAAAAAAAwMD/AAAAAABkAAAAMgAAAAAAAABkAAAAAAAAAH9/fwAKAAAAIgAAABgAAAAAAAAAAAAAAAAAAAAAAAAAAAAAAAAAAAAkAAAAJAAAAAAAAAAHAAAAAAAAAAAAAAAAAAAAAAAAAAAAAAAAAAAAf39/ACUAAABYAAAAAAAAAAAAAAAAAAAAAAAAAAAAAAAAAAAAAAAAAAAAAAAAAAAAAAAAAAAAAAA/AAAAAAAAAKCGAQAAAAAAAAAAAAAAAAAMAAAAAQAAAAAAAAAAAAAAAAAAAB8AAABUAAAAAAAABQAAAAEAAAAAAAAAAAAAAAAAAAAAAAAAAAAAAAAAAAAAAAAAAAAAAAJ/f38AAAAAA8zMzADAwP8Af39/AAAAAAAAAAAAAAAAAAAAAAAAAAAAIQAAABgAAAAUAAAAcAgAAOgXAADQLwAAsCIAABAAAAAmAAAACAAAAAGAAAAAAAAA"/>
               </a:ext>
             </a:extLst>
           </p:cNvSpPr>
@@ -422,7 +423,7 @@
             <a:spLocks noGrp="1" noChangeArrowheads="1"/>
             <a:extLst>
               <a:ext uri="smNativeData">
-                <pr:smNativeData xmlns:pr="smNativeData" xmlns="smNativeData" val="SMDATA_15_iunWYhMAAAAlAAAAZAAAAA0AAAAAkAAAAEgAAACQAAAASAAAAAAAAAABAAAAAAAAAAEAAABQAAAAAAAAAAAA4D8AAAAAAADgPwAAAAAAAOA/AAAAAAAA4D8AAAAAAADgPwAAAAAAAOA/AAAAAAAA4D8AAAAAAADgPwAAAAAAAOA/AAAAAAAA4D8CAAAAjAAAAAAAAAAAAAAAT4G9DP///wgAAAAAAAAAAAAAAAAAAAAAAAAAAAAAAAAAAAAAZAAAAAEAAABAAAAAAAAAAAAAAAAAAAAAAAAAAAAAAAAAAAAAAAAAAAAAAAAAAAAAAAAAAAAAAAAAAAAAAAAAAAAAAAAAAAAAAAAAAAAAAAAAAAAAAAAAAAAAAAAAAAAAFAAAADwAAAAAAAAAAAAAAAAAAAkUAAAAAQAAABQAAAAUAAAAFAAAAAEAAAAAAAAAZAAAAGQAAAAAAAAAZAAAAGQAAAAVAAAAYAAAAAAAAAAAAAAADwAAACADAAAAAAAAAAAAAAEAAACgMgAAVgcAAKr4//8BAAAAf39/AAEAAABkAAAAAAAAABQAAABAHwAAAAAAACYAAAAAAAAAwOD//wAAAAAmAAAAZAAAABYAAABMAAAAAAAAAAAAAAAEAAAAAAAAAAEAAADu7OEKAAAAACgAAAAoAAAAZAAAAGQAAAAAAAAAzMzMAAAAAABQAAAAUAAAAGQAAABkAAAAAAAAABcAAAAUAAAAAAAAAAAAAAD/fwAA/38AAAAAAAAJAAAABAAAAAAAAAEeAAAAaAAAAAAAAAAAAAAAAAAAAAAAAAAAAAAAECcAABAnAAAAAAAAAAAAAAAAAAAAAAAAAAAAAAAAAAAAAAAAAAAAABQAAAAAAAAAwMD/AAAAAABkAAAAMgAAAAAAAABkAAAAAAAAAH9/fwAKAAAAIgAAABgAAAAAAAAAAAAAAAAAAAAAAAAAAAAAAAAAAAAkAAAAJAAAAAAAAAAHAAAAAAAAAAAAAAAAAAAAAAAAAAAAAAAAAAAAf39/ACUAAABYAAAAAAAAAAAAAAAAAAAAAAAAAAAAAAAAAAAAAAAAAAAAAAAAAAAAAAAAAAAAAAA/AAAAAAAAAKCGAQAAAAAAAAAAAAAAAAAMAAAAAQAAAAAAAAAAAAAAAAAAAB8AAABUAAAAAAAABQAAAAEAAAAAAAAAAAAAAAAAAAAAAAAAAAAAAAAAAAAAAAAAAAAAAAJ/f38AAAAAA8zMzADAwP8Af39/AAAAAAAAAAAAAAAAAAAAAAAAAAAAIQAAABgAAAAUAAAA0AIAABonAADwDwAAWSkAABAAAAAmAAAACAAAAAAAAAAAAAAA"/>
+                <pr:smNativeData xmlns:pr="smNativeData" xmlns="smNativeData" val="SMDATA_15_0rbXYhMAAAAlAAAAZAAAAA0AAAAAkAAAAEgAAACQAAAASAAAAAAAAAABAAAAAAAAAAEAAABQAAAAAAAAAAAA4D8AAAAAAADgPwAAAAAAAOA/AAAAAAAA4D8AAAAAAADgPwAAAAAAAOA/AAAAAAAA4D8AAAAAAADgPwAAAAAAAOA/AAAAAAAA4D8CAAAAjAAAAAAAAAAAAAAAT4G9DP///wgAAAAAAAAAAAAAAAAAAAAAAAAAAAAAAAAAAAAAZAAAAAEAAABAAAAAAAAAAAAAAAAAAAAAAAAAAAAAAAAAAAAAAAAAAAAAAAAAAAAAAAAAAAAAAAAAAAAAAAAAAAAAAAAAAAAAAAAAAAAAAAAAAAAAAAAAAAAAAAAAAAAAFAAAADwAAAAAAAAAAAAAAAAAAAkUAAAAAQAAABQAAAAUAAAAFAAAAAEAAAAAAAAAZAAAAGQAAAAAAAAAZAAAAGQAAAAVAAAAYAAAAAAAAAAAAAAADwAAACADAAAAAAAAAAAAAAEAAACgMgAAVgcAAKr4//8BAAAAf39/AAEAAABkAAAAAAAAABQAAABAHwAAAAAAACYAAAAAAAAAwOD//wAAAAAmAAAAZAAAABYAAABMAAAAAAAAAAAAAAAEAAAAAAAAAAEAAADu7OEKAAAAACgAAAAoAAAAZAAAAGQAAAAAAAAAzMzMAAAAAABQAAAAUAAAAGQAAABkAAAAAAAAABcAAAAUAAAAAAAAAAAAAAD/fwAA/38AAAAAAAAJAAAABAAAAAAAAAEeAAAAaAAAAAAAAAAAAAAAAAAAAAAAAAAAAAAAECcAABAnAAAAAAAAAAAAAAAAAAAAAAAAAAAAAAAAAAAAAAAAAAAAABQAAAAAAAAAwMD/AAAAAABkAAAAMgAAAAAAAABkAAAAAAAAAH9/fwAKAAAAIgAAABgAAAAAAAAAAAAAAAAAAAAAAAAAAAAAAAAAAAAkAAAAJAAAAAAAAAAHAAAAAAAAAAAAAAAAAAAAAAAAAAAAAAAAAAAAf39/ACUAAABYAAAAAAAAAAAAAAAAAAAAAAAAAAAAAAAAAAAAAAAAAAAAAAAAAAAAAAAAAAAAAAA/AAAAAAAAAKCGAQAAAAAAAAAAAAAAAAAMAAAAAQAAAAAAAAAAAAAAAAAAAB8AAABUAAAAAAAABQAAAAEAAAAAAAAAAAAAAAAAAAAAAAAAAAAAAAAAAAAAAAAAAAAAAAJ/f38AAAAAA8zMzADAwP8Af39/AAAAAAAAAAAAAAAAAAAAAAAAAAAAIQAAABgAAAAUAAAA0AIAABonAADwDwAAWSkAABAAAAAmAAAACAAAAAAAAAAAAAAA"/>
               </a:ext>
             </a:extLst>
           </p:cNvSpPr>
@@ -438,7 +439,7 @@
             <a:pPr>
               <a:defRPr lang="fr-fr"/>
             </a:pPr>
-            <a:fld id="{069D45A1-EFEB-C8B3-A525-19E60B6B534C}" type="datetime1">
+            <a:fld id="{49AB4495-DBA4-FEB2-EA13-2DE70A5D1C78}" type="datetime1">
               <a:t/>
             </a:fld>
           </a:p>
@@ -451,7 +452,7 @@
             <a:spLocks noGrp="1" noChangeArrowheads="1"/>
             <a:extLst>
               <a:ext uri="smNativeData">
-                <pr:smNativeData xmlns:pr="smNativeData" xmlns="smNativeData" val="SMDATA_15_iunWYhMAAAAlAAAAZAAAAA0AAAAAkAAAAEgAAACQAAAASAAAAAAAAAABAAAAAAAAAAEAAABQAAAAAAAAAAAA4D8AAAAAAADgPwAAAAAAAOA/AAAAAAAA4D8AAAAAAADgPwAAAAAAAOA/AAAAAAAA4D8AAAAAAADgPwAAAAAAAOA/AAAAAAAA4D8CAAAAjAAAAAAAAAAAAAAAT4G9DP///wgAAAAAAAAAAAAAAAAAAAAAAAAAAAAAAAAAAAAAZAAAAAEAAABAAAAAAAAAAAAAAAAAAAAAAAAAAAAAAAAAAAAAAAAAAAAAAAAAAAAAAAAAAAAAAAAAAAAAAAAAAAAAAAAAAAAAAAAAAAAAAAAAAAAAAAAAAAAAAAAAAAAAFAAAADwAAAAAAAAAAAAAAAAAAAkUAAAAAQAAABQAAAAUAAAAFAAAAAEAAAAAAAAAZAAAAGQAAAAAAAAAZAAAAGQAAAAVAAAAYAAAAAAAAAAAAAAADwAAACADAAAAAAAAAAAAAAEAAACgMgAAVgcAAKr4//8BAAAAf39/AAEAAABkAAAAAAAAABQAAABAHwAAAAAAACYAAAAAAAAAwOD//wAAAAAmAAAAZAAAABYAAABMAAAAAAAAAAAAAAAEAAAAAAAAAAEAAADu7OEKAAAAACgAAAAoAAAAZAAAAGQAAAAAAAAAzMzMAAAAAABQAAAAUAAAAGQAAABkAAAAAAAAABcAAAAUAAAAAAAAAAAAAAD/fwAA/38AAAAAAAAJAAAABAAAAAAAAAEeAAAAaAAAAAAAAAAAAAAAAAAAAAAAAAAAAAAAECcAABAnAAAAAAAAAAAAAAAAAAAAAAAAAAAAAAAAAAAAAAAAAAAAABQAAAAAAAAAwMD/AAAAAABkAAAAMgAAAAAAAABkAAAAAAAAAH9/fwAKAAAAIgAAABgAAAAAAAAAAAAAAAAAAAAAAAAAAAAAAAAAAAAkAAAAJAAAAAAAAAAHAAAAAAAAAAAAAAAAAAAAAAAAAAAAAAAAAAAAf39/ACUAAABYAAAAAAAAAAAAAAAAAAAAAAAAAAAAAAAAAAAAAAAAAAAAAAAAAAAAAAAAAAAAAAA/AAAAAAAAAKCGAQAAAAAAAAAAAAAAAAAMAAAAAQAAAAAAAAAAAAAAAAAAAB8AAABUAAAAAAAABQAAAAEAAAAAAAAAAAAAAAAAAAAAAAAAAAAAAAAAAAAAAAAAAAAAAAJ/f38AAAAAA8zMzADAwP8Af39/AAAAAAAAAAAAAAAAAAAAAAAAAAAAIQAAABgAAAAUAAAAOBMAABonAAAIJQAAWSkAABAAAAAmAAAACAAAAAAAAAAAAAAA"/>
+                <pr:smNativeData xmlns:pr="smNativeData" xmlns="smNativeData" val="SMDATA_15_0rbXYhMAAAAlAAAAZAAAAA0AAAAAkAAAAEgAAACQAAAASAAAAAAAAAABAAAAAAAAAAEAAABQAAAAAAAAAAAA4D8AAAAAAADgPwAAAAAAAOA/AAAAAAAA4D8AAAAAAADgPwAAAAAAAOA/AAAAAAAA4D8AAAAAAADgPwAAAAAAAOA/AAAAAAAA4D8CAAAAjAAAAAAAAAAAAAAAT4G9DP///wgAAAAAAAAAAAAAAAAAAAAAAAAAAAAAAAAAAAAAZAAAAAEAAABAAAAAAAAAAAAAAAAAAAAAAAAAAAAAAAAAAAAAAAAAAAAAAAAAAAAAAAAAAAAAAAAAAAAAAAAAAAAAAAAAAAAAAAAAAAAAAAAAAAAAAAAAAAAAAAAAAAAAFAAAADwAAAAAAAAAAAAAAAAAAAkUAAAAAQAAABQAAAAUAAAAFAAAAAEAAAAAAAAAZAAAAGQAAAAAAAAAZAAAAGQAAAAVAAAAYAAAAAAAAAAAAAAADwAAACADAAAAAAAAAAAAAAEAAACgMgAAVgcAAKr4//8BAAAAf39/AAEAAABkAAAAAAAAABQAAABAHwAAAAAAACYAAAAAAAAAwOD//wAAAAAmAAAAZAAAABYAAABMAAAAAAAAAAAAAAAEAAAAAAAAAAEAAADu7OEKAAAAACgAAAAoAAAAZAAAAGQAAAAAAAAAzMzMAAAAAABQAAAAUAAAAGQAAABkAAAAAAAAABcAAAAUAAAAAAAAAAAAAAD/fwAA/38AAAAAAAAJAAAABAAAAAAAAAEeAAAAaAAAAAAAAAAAAAAAAAAAAAAAAAAAAAAAECcAABAnAAAAAAAAAAAAAAAAAAAAAAAAAAAAAAAAAAAAAAAAAAAAABQAAAAAAAAAwMD/AAAAAABkAAAAMgAAAAAAAABkAAAAAAAAAH9/fwAKAAAAIgAAABgAAAAAAAAAAAAAAAAAAAAAAAAAAAAAAAAAAAAkAAAAJAAAAAAAAAAHAAAAAAAAAAAAAAAAAAAAAAAAAAAAAAAAAAAAf39/ACUAAABYAAAAAAAAAAAAAAAAAAAAAAAAAAAAAAAAAAAAAAAAAAAAAAAAAAAAAAAAAAAAAAA/AAAAAAAAAKCGAQAAAAAAAAAAAAAAAAAMAAAAAQAAAAAAAAAAAAAAAAAAAB8AAABUAAAAAAAABQAAAAEAAAAAAAAAAAAAAAAAAAAAAAAAAAAAAAAAAAAAAAAAAAAAAAJ/f38AAAAAA8zMzADAwP8Af39/AAAAAAAAAAAAAAAAAAAAAAAAAAAAIQAAABgAAAAUAAAAOBMAABonAAAIJQAAWSkAABAAAAAmAAAACAAAAAAAAAAAAAAA"/>
               </a:ext>
             </a:extLst>
           </p:cNvSpPr>
@@ -477,7 +478,7 @@
             <a:spLocks noGrp="1" noChangeArrowheads="1"/>
             <a:extLst>
               <a:ext uri="smNativeData">
-                <pr:smNativeData xmlns:pr="smNativeData" xmlns="smNativeData" val="SMDATA_15_iunWYhMAAAAlAAAAZAAAAA0AAAAAkAAAAEgAAACQAAAASAAAAAAAAAABAAAAAAAAAAEAAABQAAAAAAAAAAAA4D8AAAAAAADgPwAAAAAAAOA/AAAAAAAA4D8AAAAAAADgPwAAAAAAAOA/AAAAAAAA4D8AAAAAAADgPwAAAAAAAOA/AAAAAAAA4D8CAAAAjAAAAAAAAAAAAAAAT4G9DP///wgAAAAAAAAAAAAAAAAAAAAAAAAAAAAAAAAAAAAAZAAAAAEAAABAAAAAAAAAAAAAAAAAAAAAAAAAAAAAAAAAAAAAAAAAAAAAAAAAAAAAAAAAAAAAAAAAAAAAAAAAAAAAAAAAAAAAAAAAAAAAAAAAAAAAAAAAAAAAAAAAAAAAFAAAADwAAAAAAAAAAAAAAAAAAAkUAAAAAQAAABQAAAAUAAAAFAAAAAEAAAAAAAAAZAAAAGQAAAAAAAAAZAAAAGQAAAAVAAAAYAAAAAAAAAAAAAAADwAAACADAAAAAAAAAAAAAAEAAACgMgAAVgcAAKr4//8BAAAAf39/AAEAAABkAAAAAAAAABQAAABAHwAAAAAAACYAAAAAAAAAwOD//wAAAAAmAAAAZAAAABYAAABMAAAAAAAAAAAAAAAEAAAAAAAAAAEAAADu7OEKAAAAACgAAAAoAAAAZAAAAGQAAAAAAAAAzMzMAAAAAABQAAAAUAAAAGQAAABkAAAAAAAAABcAAAAUAAAAAAAAAAAAAAD/fwAA/38AAAAAAAAJAAAABAAAADAwIiAeAAAAaAAAAAAAAAAAAAAAAAAAAAAAAAAAAAAAECcAABAnAAAAAAAAAAAAAAAAAAAAAAAAAAAAAAAAAAAAAAAAAAAAABQAAAAAAAAAwMD/AAAAAABkAAAAMgAAAAAAAABkAAAAAAAAAH9/fwAKAAAAIgAAABgAAAAAAAAAAAAAAAAAAAAAAAAAAAAAAAAAAAAkAAAAJAAAAAAAAAAHAAAAAAAAAAAAAAAAAAAAAAAAAAAAAAAAAAAAf39/ACUAAABYAAAAAAAAAAAAAAAAAAAAAAAAAAAAAAAAAAAAAAAAAAAAAAAAAAAAAAAAAAAAAAA/AAAAAAAAAKCGAQAAAAAAAAAAAAAAAAAMAAAAAQAAAAAAAAAAAAAAAAAAAB8AAABUAAAAAAAABQAAAAEAAAAAAAAAAAAAAAAAAAAAAAAAAAAAAAAAAAAAAAAAAAAAAAJ/f38AAAAAA8zMzADAwP8Af39/AAAAAAAAAAAAAAAAAAAAAAAAAAAAIQAAABgAAAAUAAAAUCgAABonAABwNQAAWSkAABAAAAAmAAAACAAAAAAAAAAAAAAA"/>
+                <pr:smNativeData xmlns:pr="smNativeData" xmlns="smNativeData" val="SMDATA_15_0rbXYhMAAAAlAAAAZAAAAA0AAAAAkAAAAEgAAACQAAAASAAAAAAAAAABAAAAAAAAAAEAAABQAAAAAAAAAAAA4D8AAAAAAADgPwAAAAAAAOA/AAAAAAAA4D8AAAAAAADgPwAAAAAAAOA/AAAAAAAA4D8AAAAAAADgPwAAAAAAAOA/AAAAAAAA4D8CAAAAjAAAAAAAAAAAAAAAT4G9DP///wgAAAAAAAAAAAAAAAAAAAAAAAAAAAAAAAAAAAAAZAAAAAEAAABAAAAAAAAAAAAAAAAAAAAAAAAAAAAAAAAAAAAAAAAAAAAAAAAAAAAAAAAAAAAAAAAAAAAAAAAAAAAAAAAAAAAAAAAAAAAAAAAAAAAAAAAAAAAAAAAAAAAAFAAAADwAAAAAAAAAAAAAAAAAAAkUAAAAAQAAABQAAAAUAAAAFAAAAAEAAAAAAAAAZAAAAGQAAAAAAAAAZAAAAGQAAAAVAAAAYAAAAAAAAAAAAAAADwAAACADAAAAAAAAAAAAAAEAAACgMgAAVgcAAKr4//8BAAAAf39/AAEAAABkAAAAAAAAABQAAABAHwAAAAAAACYAAAAAAAAAwOD//wAAAAAmAAAAZAAAABYAAABMAAAAAAAAAAAAAAAEAAAAAAAAAAEAAADu7OEKAAAAACgAAAAoAAAAZAAAAGQAAAAAAAAAzMzMAAAAAABQAAAAUAAAAGQAAABkAAAAAAAAABcAAAAUAAAAAAAAAAAAAAD/fwAA/38AAAAAAAAJAAAABAAAADAwIiAeAAAAaAAAAAAAAAAAAAAAAAAAAAAAAAAAAAAAECcAABAnAAAAAAAAAAAAAAAAAAAAAAAAAAAAAAAAAAAAAAAAAAAAABQAAAAAAAAAwMD/AAAAAABkAAAAMgAAAAAAAABkAAAAAAAAAH9/fwAKAAAAIgAAABgAAAAAAAAAAAAAAAAAAAAAAAAAAAAAAAAAAAAkAAAAJAAAAAAAAAAHAAAAAAAAAAAAAAAAAAAAAAAAAAAAAAAAAAAAf39/ACUAAABYAAAAAAAAAAAAAAAAAAAAAAAAAAAAAAAAAAAAAAAAAAAAAAAAAAAAAAAAAAAAAAA/AAAAAAAAAKCGAQAAAAAAAAAAAAAAAAAMAAAAAQAAAAAAAAAAAAAAAAAAAB8AAABUAAAAAAAABQAAAAEAAAAAAAAAAAAAAAAAAAAAAAAAAAAAAAAAAAAAAAAAAAAAAAJ/f38AAAAAA8zMzADAwP8Af39/AAAAAAAAAAAAAAAAAAAAAAAAAAAAIQAAABgAAAAUAAAAUCgAABonAABwNQAAWSkAABAAAAAmAAAACAAAAAAAAAAAAAAA"/>
               </a:ext>
             </a:extLst>
           </p:cNvSpPr>
@@ -493,7 +494,7 @@
             <a:pPr>
               <a:defRPr lang="fr-fr"/>
             </a:pPr>
-            <a:fld id="{2068DCFA-B4CD-3D2A-83D0-427F929E7517}" type="slidenum">
+            <a:fld id="{4F5A57DA-94A2-0FA1-ECE2-62F419AC1A37}" type="slidenum">
               <a:t/>
             </a:fld>
           </a:p>
@@ -532,7 +533,7 @@
             <a:spLocks noGrp="1" noChangeArrowheads="1"/>
             <a:extLst>
               <a:ext uri="smNativeData">
-                <pr:smNativeData xmlns:pr="smNativeData" xmlns="smNativeData" val="SMDATA_15_iunWYhMAAAAlAAAAZAAAAA0AAAAAkAAAAEgAAACQAAAASAAAAAAAAAABAAAAAAAAAAEAAABQAAAAAAAAAAAA4D8AAAAAAADgPwAAAAAAAOA/AAAAAAAA4D8AAAAAAADgPwAAAAAAAOA/AAAAAAAA4D8AAAAAAADgPwAAAAAAAOA/AAAAAAAA4D8CAAAAjAAAAAAAAAAAAAAAT4G9DP///wgAAAAAAAAAAAAAAAAAAAAAAAAAAAAAAAAAAAAAZAAAAAEAAABAAAAAAAAAAAAAAAAAAAAAAAAAAAAAAAAAAAAAAAAAAAAAAAAAAAAAAAAAAAAAAAAAAAAAAAAAAAAAAAAAAAAAAAAAAAAAAAAAAAAAAAAAAAAAAAAAAAAAFAAAADwAAAAAAAAAAAAAAAAAAAkUAAAAAQAAABQAAAAUAAAAFAAAAAEAAAAAAAAAZAAAAGQAAAAAAAAAZAAAAGQAAAAVAAAAYAAAAAAAAAAAAAAADwAAACADAAAAAAAAAAAAAAEAAACgMgAAVgcAAKr4//8BAAAAf39/AAEAAABkAAAAAAAAABQAAABAHwAAAAAAACYAAAAAAAAAwOD//wAAAAAmAAAAZAAAABYAAABMAAAAAAAAAAAAAAAEAAAAAAAAAAEAAADu7OEKAAAAACgAAAAoAAAAZAAAAGQAAAAAAAAAzMzMAAAAAABQAAAAUAAAAGQAAABkAAAAAAAAABcAAAAUAAAAAAAAAAAAAAD/fwAA/38AAAAAAAAJAAAABAAAABB7SpceAAAAaAAAAAAAAAAAAAAAAAAAAAAAAAAAAAAAECcAABAnAAAAAAAAAAAAAAAAAAAAAAAAAAAAAAAAAAAAAAAAAAAAABQAAAAAAAAAwMD/AAAAAABkAAAAMgAAAAAAAABkAAAAAAAAAH9/fwAKAAAAIgAAABgAAAAAAAAAAAAAAAAAAAAAAAAAAAAAAAAAAAAkAAAAJAAAAAAAAAAHAAAAAAAAAAAAAAAAAAAAAAAAAAAAAAAAAAAAf39/ACUAAABYAAAAAAAAAAAAAAAAAAAAAAAAAAAAAAAAAAAAAAAAAAAAAAAAAAAAAAAAAAAAAAA/AAAAAAAAAKCGAQAAAAAAAAAAAAAAAAAMAAAAAQAAAAAAAAAAAAAAAAAAAB8AAABUAAAAAAAABQAAAAEAAAAAAAAAAAAAAAAAAAAAAAAAAAAAAAAAAAAAAAAAAAAAAAJ/f38AAAAAA8zMzADAwP8Af39/AAAAAAAAAAAAAAAAAAAAAAAAAAAAIQAAABgAAAAUAAAA0AIAALEBAABwNQAAuQgAABAAAAAmAAAACAAAAAAAAAAAAAAA"/>
+                <pr:smNativeData xmlns:pr="smNativeData" xmlns="smNativeData" val="SMDATA_15_0rbXYhMAAAAlAAAAZAAAAA0AAAAAkAAAAEgAAACQAAAASAAAAAAAAAABAAAAAAAAAAEAAABQAAAAAAAAAAAA4D8AAAAAAADgPwAAAAAAAOA/AAAAAAAA4D8AAAAAAADgPwAAAAAAAOA/AAAAAAAA4D8AAAAAAADgPwAAAAAAAOA/AAAAAAAA4D8CAAAAjAAAAAAAAAAAAAAAT4G9DP///wgAAAAAAAAAAAAAAAAAAAAAAAAAAAAAAAAAAAAAZAAAAAEAAABAAAAAAAAAAAAAAAAAAAAAAAAAAAAAAAAAAAAAAAAAAAAAAAAAAAAAAAAAAAAAAAAAAAAAAAAAAAAAAAAAAAAAAAAAAAAAAAAAAAAAAAAAAAAAAAAAAAAAFAAAADwAAAAAAAAAAAAAAAAAAAkUAAAAAQAAABQAAAAUAAAAFAAAAAEAAAAAAAAAZAAAAGQAAAAAAAAAZAAAAGQAAAAVAAAAYAAAAAAAAAAAAAAADwAAACADAAAAAAAAAAAAAAEAAACgMgAAVgcAAKr4//8BAAAAf39/AAEAAABkAAAAAAAAABQAAABAHwAAAAAAACYAAAAAAAAAwOD//wAAAAAmAAAAZAAAABYAAABMAAAAAAAAAAAAAAAEAAAAAAAAAAEAAADu7OEKAAAAACgAAAAoAAAAZAAAAGQAAAAAAAAAzMzMAAAAAABQAAAAUAAAAGQAAABkAAAAAAAAABcAAAAUAAAAAAAAAAAAAAD/fwAA/38AAAAAAAAJAAAABAAAABB7SpceAAAAaAAAAAAAAAAAAAAAAAAAAAAAAAAAAAAAECcAABAnAAAAAAAAAAAAAAAAAAAAAAAAAAAAAAAAAAAAAAAAAAAAABQAAAAAAAAAwMD/AAAAAABkAAAAMgAAAAAAAABkAAAAAAAAAH9/fwAKAAAAIgAAABgAAAAAAAAAAAAAAAAAAAAAAAAAAAAAAAAAAAAkAAAAJAAAAAAAAAAHAAAAAAAAAAAAAAAAAAAAAAAAAAAAAAAAAAAAf39/ACUAAABYAAAAAAAAAAAAAAAAAAAAAAAAAAAAAAAAAAAAAAAAAAAAAAAAAAAAAAAAAAAAAAA/AAAAAAAAAKCGAQAAAAAAAAAAAAAAAAAMAAAAAQAAAAAAAAAAAAAAAAAAAB8AAABUAAAAAAAABQAAAAEAAAAAAAAAAAAAAAAAAAAAAAAAAAAAAAAAAAAAAAAAAAAAAAJ/f38AAAAAA8zMzADAwP8Af39/AAAAAAAAAAAAAAAAAAAAAAAAAAAAIQAAABgAAAAUAAAA0AIAALEBAABwNQAAuQgAABAAAAAmAAAACAAAAAAAAAAAAAAA"/>
               </a:ext>
             </a:extLst>
           </p:cNvSpPr>
@@ -561,7 +562,7 @@
             <a:spLocks noGrp="1" noChangeArrowheads="1"/>
             <a:extLst>
               <a:ext uri="smNativeData">
-                <pr:smNativeData xmlns:pr="smNativeData" xmlns="smNativeData" val="SMDATA_15_iunWYhMAAAAlAAAAZAAAAA0AAAAAkAAAAEgAAACQAAAASAAAAAAAAAAAAAAAAQAAAAEAAABQAAAAAAAAAAAA4D8AAAAAAADgPwAAAAAAAOA/AAAAAAAA4D8AAAAAAADgPwAAAAAAAOA/AAAAAAAA4D8AAAAAAADgPwAAAAAAAOA/AAAAAAAA4D8CAAAAjAAAAAAAAAAAAAAAT4G9DP///wgAAAAAAAAAAAAAAAAAAAAAAAAAAAAAAAAAAAAAZAAAAAEAAABAAAAAAAAAAAAAAAAAAAAAAAAAAAAAAAAAAAAAAAAAAAAAAAAAAAAAAAAAAAAAAAAAAAAAAAAAAAAAAAAAAAAAAAAAAAAAAAAAAAAAAAAAAAAAAAAAAAAAFAAAADwAAAAAAAAAAAAAAAAAAAkUAAAAAQAAABQAAAAUAAAAFAAAAAEAAAAAAAAAZAAAAGQAAAAAAAAAZAAAAGQAAAAVAAAAYAAAAAAAAAAAAAAADwAAACADAAAAAAAAAAAAAAEAAACgMgAAVgcAAKr4//8BAAAAf39/AAEAAABkAAAAAAAAABQAAABAHwAAAAAAACYAAAAAAAAAwOD//wAAAAAmAAAAZAAAABYAAABMAAAAAAAAAAAAAAAEAAAAAAAAAAEAAADu7OEKAAAAACgAAAAoAAAAZAAAAGQAAAAAAAAAzMzMAAAAAABQAAAAUAAAAGQAAABkAAAAAAAAABcAAAAUAAAAAAAAAAAAAAD/fwAA/38AAAAAAAAJAAAABAAAAFRhcmceAAAAaAAAAAAAAAAAAAAAAAAAAAAAAAAAAAAAECcAABAnAAAAAAAAAAAAAAAAAAAAAAAAAAAAAAAAAAAAAAAAAAAAABQAAAAAAAAAwMD/AAAAAABkAAAAMgAAAAAAAABkAAAAAAAAAH9/fwAKAAAAIgAAABgAAAAAAAAAAAAAAAAAAAAAAAAAAAAAAAAAAAAkAAAAJAAAAAAAAAAHAAAAAAAAAAAAAAAAAAAAAAAAAAAAAAAAAAAAf39/ACUAAABYAAAAAAAAAAAAAAAAAAAAAAAAAAAAAAAAAAAAAAAAAAAAAAAAAAAAAAAAAAAAAAA/AAAAAAAAAKCGAQAAAAAAAAAAAAAAAAAMAAAAAQAAAAAAAAAAAAAAAAAAAB8AAABUAAAAAAAABQAAAAEAAAAAAAAAAAAAAAAAAAAAAAAAAAAAAAAAAAAAAAAAAAAAAAJ/f38AAAAAA8zMzADAwP8Af39/AAAAAAAAAAAAAAAAAAAAAAAAAAAAIQAAABgAAAAUAAAA0AIAANgJAABwNQAAsCUAABAAAAAmAAAACAAAAAIAAAAAAAAA"/>
+                <pr:smNativeData xmlns:pr="smNativeData" xmlns="smNativeData" val="SMDATA_15_0rbXYhMAAAAlAAAAZAAAAA0AAAAAkAAAAEgAAACQAAAASAAAAAAAAAAAAAAAAQAAAAEAAABQAAAAAAAAAAAA4D8AAAAAAADgPwAAAAAAAOA/AAAAAAAA4D8AAAAAAADgPwAAAAAAAOA/AAAAAAAA4D8AAAAAAADgPwAAAAAAAOA/AAAAAAAA4D8CAAAAjAAAAAAAAAAAAAAAT4G9DP///wgAAAAAAAAAAAAAAAAAAAAAAAAAAAAAAAAAAAAAZAAAAAEAAABAAAAAAAAAAAAAAAAAAAAAAAAAAAAAAAAAAAAAAAAAAAAAAAAAAAAAAAAAAAAAAAAAAAAAAAAAAAAAAAAAAAAAAAAAAAAAAAAAAAAAAAAAAAAAAAAAAAAAFAAAADwAAAAAAAAAAAAAAAAAAAkUAAAAAQAAABQAAAAUAAAAFAAAAAEAAAAAAAAAZAAAAGQAAAAAAAAAZAAAAGQAAAAVAAAAYAAAAAAAAAAAAAAADwAAACADAAAAAAAAAAAAAAEAAACgMgAAVgcAAKr4//8BAAAAf39/AAEAAABkAAAAAAAAABQAAABAHwAAAAAAACYAAAAAAAAAwOD//wAAAAAmAAAAZAAAABYAAABMAAAAAAAAAAAAAAAEAAAAAAAAAAEAAADu7OEKAAAAACgAAAAoAAAAZAAAAGQAAAAAAAAAzMzMAAAAAABQAAAAUAAAAGQAAABkAAAAAAAAABcAAAAUAAAAAAAAAAAAAAD/fwAA/38AAAAAAAAJAAAABAAAAFRhcmceAAAAaAAAAAAAAAAAAAAAAAAAAAAAAAAAAAAAECcAABAnAAAAAAAAAAAAAAAAAAAAAAAAAAAAAAAAAAAAAAAAAAAAABQAAAAAAAAAwMD/AAAAAABkAAAAMgAAAAAAAABkAAAAAAAAAH9/fwAKAAAAIgAAABgAAAAAAAAAAAAAAAAAAAAAAAAAAAAAAAAAAAAkAAAAJAAAAAAAAAAHAAAAAAAAAAAAAAAAAAAAAAAAAAAAAAAAAAAAf39/ACUAAABYAAAAAAAAAAAAAAAAAAAAAAAAAAAAAAAAAAAAAAAAAAAAAAAAAAAAAAAAAAAAAAA/AAAAAAAAAKCGAQAAAAAAAAAAAAAAAAAMAAAAAQAAAAAAAAAAAAAAAAAAAB8AAABUAAAAAAAABQAAAAEAAAAAAAAAAAAAAAAAAAAAAAAAAAAAAAAAAAAAAAAAAAAAAAJ/f38AAAAAA8zMzADAwP8Af39/AAAAAAAAAAAAAAAAAAAAAAAAAAAAIQAAABgAAAAUAAAA0AIAANgJAABwNQAAsCUAABAAAAAmAAAACAAAAAIAAAAAAAAA"/>
               </a:ext>
             </a:extLst>
           </p:cNvSpPr>
@@ -626,7 +627,7 @@
             <a:spLocks noGrp="1" noChangeArrowheads="1"/>
             <a:extLst>
               <a:ext uri="smNativeData">
-                <pr:smNativeData xmlns:pr="smNativeData" xmlns="smNativeData" val="SMDATA_15_iunWYhMAAAAlAAAAZAAAAA0AAAAAkAAAAEgAAACQAAAASAAAAAAAAAABAAAAAAAAAAEAAABQAAAAAAAAAAAA4D8AAAAAAADgPwAAAAAAAOA/AAAAAAAA4D8AAAAAAADgPwAAAAAAAOA/AAAAAAAA4D8AAAAAAADgPwAAAAAAAOA/AAAAAAAA4D8CAAAAjAAAAAAAAAAAAAAAT4G9DP///wgAAAAAAAAAAAAAAAAAAAAAAAAAAAAAAAAAAAAAZAAAAAEAAABAAAAAAAAAAAAAAAAAAAAAAAAAAAAAAAAAAAAAAAAAAAAAAAAAAAAAAAAAAAAAAAAAAAAAAAAAAAAAAAAAAAAAAAAAAAAAAAAAAAAAAAAAAAAAAAAAAAAAFAAAADwAAAAAAAAAAAAAAAAAAAkUAAAAAQAAABQAAAAUAAAAFAAAAAEAAAAAAAAAZAAAAGQAAAAAAAAAZAAAAGQAAAAVAAAAYAAAAAAAAAAAAAAADwAAACADAAAAAAAAAAAAAAEAAACgMgAAVgcAAKr4//8BAAAAf39/AAEAAABkAAAAAAAAABQAAABAHwAAAAAAACYAAAAAAAAAwOD//wAAAAAmAAAAZAAAABYAAABMAAAAAAAAAAAAAAAEAAAAAAAAAAEAAADu7OEKAAAAACgAAAAoAAAAZAAAAGQAAAAAAAAAzMzMAAAAAABQAAAAUAAAAGQAAABkAAAAAAAAABcAAAAUAAAAAAAAAAAAAAD/fwAA/38AAAAAAAAJAAAABAAAABB7SpceAAAAaAAAAAAAAAAAAAAAAAAAAAAAAAAAAAAAECcAABAnAAAAAAAAAAAAAAAAAAAAAAAAAAAAAAAAAAAAAAAAAAAAABQAAAAAAAAAwMD/AAAAAABkAAAAMgAAAAAAAABkAAAAAAAAAH9/fwAKAAAAIgAAABgAAAAAAAAAAAAAAAAAAAAAAAAAAAAAAAAAAAAkAAAAJAAAAAAAAAAHAAAAAAAAAAAAAAAAAAAAAAAAAAAAAAAAAAAAf39/ACUAAABYAAAAAAAAAAAAAAAAAAAAAAAAAAAAAAAAAAAAAAAAAAAAAAAAAAAAAAAAAAAAAAA/AAAAAAAAAKCGAQAAAAAAAAAAAAAAAAAMAAAAAQAAAAAAAAAAAAAAAAAAAB8AAABUAAAAAAAABQAAAAEAAAAAAAAAAAAAAAAAAAAAAAAAAAAAAAAAAAAAAAAAAAAAAAJ/f38AAAAAA8zMzADAwP8Af39/AAAAAAAAAAAAAAAAAAAAAAAAAAAAIQAAABgAAAAUAAAA0AIAABonAADwDwAAWSkAABAAAAAmAAAACAAAAAAAAAAAAAAA"/>
+                <pr:smNativeData xmlns:pr="smNativeData" xmlns="smNativeData" val="SMDATA_15_0rbXYhMAAAAlAAAAZAAAAA0AAAAAkAAAAEgAAACQAAAASAAAAAAAAAABAAAAAAAAAAEAAABQAAAAAAAAAAAA4D8AAAAAAADgPwAAAAAAAOA/AAAAAAAA4D8AAAAAAADgPwAAAAAAAOA/AAAAAAAA4D8AAAAAAADgPwAAAAAAAOA/AAAAAAAA4D8CAAAAjAAAAAAAAAAAAAAAT4G9DP///wgAAAAAAAAAAAAAAAAAAAAAAAAAAAAAAAAAAAAAZAAAAAEAAABAAAAAAAAAAAAAAAAAAAAAAAAAAAAAAAAAAAAAAAAAAAAAAAAAAAAAAAAAAAAAAAAAAAAAAAAAAAAAAAAAAAAAAAAAAAAAAAAAAAAAAAAAAAAAAAAAAAAAFAAAADwAAAAAAAAAAAAAAAAAAAkUAAAAAQAAABQAAAAUAAAAFAAAAAEAAAAAAAAAZAAAAGQAAAAAAAAAZAAAAGQAAAAVAAAAYAAAAAAAAAAAAAAADwAAACADAAAAAAAAAAAAAAEAAACgMgAAVgcAAKr4//8BAAAAf39/AAEAAABkAAAAAAAAABQAAABAHwAAAAAAACYAAAAAAAAAwOD//wAAAAAmAAAAZAAAABYAAABMAAAAAAAAAAAAAAAEAAAAAAAAAAEAAADu7OEKAAAAACgAAAAoAAAAZAAAAGQAAAAAAAAAzMzMAAAAAABQAAAAUAAAAGQAAABkAAAAAAAAABcAAAAUAAAAAAAAAAAAAAD/fwAA/38AAAAAAAAJAAAABAAAABB7SpceAAAAaAAAAAAAAAAAAAAAAAAAAAAAAAAAAAAAECcAABAnAAAAAAAAAAAAAAAAAAAAAAAAAAAAAAAAAAAAAAAAAAAAABQAAAAAAAAAwMD/AAAAAABkAAAAMgAAAAAAAABkAAAAAAAAAH9/fwAKAAAAIgAAABgAAAAAAAAAAAAAAAAAAAAAAAAAAAAAAAAAAAAkAAAAJAAAAAAAAAAHAAAAAAAAAAAAAAAAAAAAAAAAAAAAAAAAAAAAf39/ACUAAABYAAAAAAAAAAAAAAAAAAAAAAAAAAAAAAAAAAAAAAAAAAAAAAAAAAAAAAAAAAAAAAA/AAAAAAAAAKCGAQAAAAAAAAAAAAAAAAAMAAAAAQAAAAAAAAAAAAAAAAAAAB8AAABUAAAAAAAABQAAAAEAAAAAAAAAAAAAAAAAAAAAAAAAAAAAAAAAAAAAAAAAAAAAAAJ/f38AAAAAA8zMzADAwP8Af39/AAAAAAAAAAAAAAAAAAAAAAAAAAAAIQAAABgAAAAUAAAA0AIAABonAADwDwAAWSkAABAAAAAmAAAACAAAAAAAAAAAAAAA"/>
               </a:ext>
             </a:extLst>
           </p:cNvSpPr>
@@ -642,7 +643,7 @@
             <a:pPr>
               <a:defRPr lang="fr-fr"/>
             </a:pPr>
-            <a:fld id="{6EA7B517-5983-F243-CD1F-AF16FB513BFA}" type="datetime1">
+            <a:fld id="{2601C803-4DCB-543E-85B9-BB6B86F773EE}" type="datetime1">
               <a:t>1/04/15</a:t>
             </a:fld>
           </a:p>
@@ -655,7 +656,7 @@
             <a:spLocks noGrp="1" noChangeArrowheads="1"/>
             <a:extLst>
               <a:ext uri="smNativeData">
-                <pr:smNativeData xmlns:pr="smNativeData" xmlns="smNativeData" val="SMDATA_15_iunWYhMAAAAlAAAAZAAAAA0AAAAAkAAAAEgAAACQAAAASAAAAAAAAAABAAAAAAAAAAEAAABQAAAAAAAAAAAA4D8AAAAAAADgPwAAAAAAAOA/AAAAAAAA4D8AAAAAAADgPwAAAAAAAOA/AAAAAAAA4D8AAAAAAADgPwAAAAAAAOA/AAAAAAAA4D8CAAAAjAAAAAAAAAAAAAAAT4G9DP///wgAAAAAAAAAAAAAAAAAAAAAAAAAAAAAAAAAAAAAZAAAAAEAAABAAAAAAAAAAAAAAAAAAAAAAAAAAAAAAAAAAAAAAAAAAAAAAAAAAAAAAAAAAAAAAAAAAAAAAAAAAAAAAAAAAAAAAAAAAAAAAAAAAAAAAAAAAAAAAAAAAAAAFAAAADwAAAAAAAAAAAAAAAAAAAkUAAAAAQAAABQAAAAUAAAAFAAAAAEAAAAAAAAAZAAAAGQAAAAAAAAAZAAAAGQAAAAVAAAAYAAAAAAAAAAAAAAADwAAACADAAAAAAAAAAAAAAEAAACgMgAAVgcAAKr4//8BAAAAf39/AAEAAABkAAAAAAAAABQAAABAHwAAAAAAACYAAAAAAAAAwOD//wAAAAAmAAAAZAAAABYAAABMAAAAAAAAAAAAAAAEAAAAAAAAAAEAAADu7OEKAAAAACgAAAAoAAAAZAAAAGQAAAAAAAAAzMzMAAAAAABQAAAAUAAAAGQAAABkAAAAAAAAABcAAAAUAAAAAAAAAAAAAAD/fwAA/38AAAAAAAAJAAAABAAAAFRhcmceAAAAaAAAAAAAAAAAAAAAAAAAAAAAAAAAAAAAECcAABAnAAAAAAAAAAAAAAAAAAAAAAAAAAAAAAAAAAAAAAAAAAAAABQAAAAAAAAAwMD/AAAAAABkAAAAMgAAAAAAAABkAAAAAAAAAH9/fwAKAAAAIgAAABgAAAAAAAAAAAAAAAAAAAAAAAAAAAAAAAAAAAAkAAAAJAAAAAAAAAAHAAAAAAAAAAAAAAAAAAAAAAAAAAAAAAAAAAAAf39/ACUAAABYAAAAAAAAAAAAAAAAAAAAAAAAAAAAAAAAAAAAAAAAAAAAAAAAAAAAAAAAAAAAAAA/AAAAAAAAAKCGAQAAAAAAAAAAAAAAAAAMAAAAAQAAAAAAAAAAAAAAAAAAAB8AAABUAAAAAAAABQAAAAEAAAAAAAAAAAAAAAAAAAAAAAAAAAAAAAAAAAAAAAAAAAAAAAJ/f38AAAAAA8zMzADAwP8Af39/AAAAAAAAAAAAAAAAAAAAAAAAAAAAIQAAABgAAAAUAAAAOBMAABonAAAIJQAAWSkAABAAAAAmAAAACAAAAAAAAAAAAAAA"/>
+                <pr:smNativeData xmlns:pr="smNativeData" xmlns="smNativeData" val="SMDATA_15_0rbXYhMAAAAlAAAAZAAAAA0AAAAAkAAAAEgAAACQAAAASAAAAAAAAAABAAAAAAAAAAEAAABQAAAAAAAAAAAA4D8AAAAAAADgPwAAAAAAAOA/AAAAAAAA4D8AAAAAAADgPwAAAAAAAOA/AAAAAAAA4D8AAAAAAADgPwAAAAAAAOA/AAAAAAAA4D8CAAAAjAAAAAAAAAAAAAAAT4G9DP///wgAAAAAAAAAAAAAAAAAAAAAAAAAAAAAAAAAAAAAZAAAAAEAAABAAAAAAAAAAAAAAAAAAAAAAAAAAAAAAAAAAAAAAAAAAAAAAAAAAAAAAAAAAAAAAAAAAAAAAAAAAAAAAAAAAAAAAAAAAAAAAAAAAAAAAAAAAAAAAAAAAAAAFAAAADwAAAAAAAAAAAAAAAAAAAkUAAAAAQAAABQAAAAUAAAAFAAAAAEAAAAAAAAAZAAAAGQAAAAAAAAAZAAAAGQAAAAVAAAAYAAAAAAAAAAAAAAADwAAACADAAAAAAAAAAAAAAEAAACgMgAAVgcAAKr4//8BAAAAf39/AAEAAABkAAAAAAAAABQAAABAHwAAAAAAACYAAAAAAAAAwOD//wAAAAAmAAAAZAAAABYAAABMAAAAAAAAAAAAAAAEAAAAAAAAAAEAAADu7OEKAAAAACgAAAAoAAAAZAAAAGQAAAAAAAAAzMzMAAAAAABQAAAAUAAAAGQAAABkAAAAAAAAABcAAAAUAAAAAAAAAAAAAAD/fwAA/38AAAAAAAAJAAAABAAAAFRhcmceAAAAaAAAAAAAAAAAAAAAAAAAAAAAAAAAAAAAECcAABAnAAAAAAAAAAAAAAAAAAAAAAAAAAAAAAAAAAAAAAAAAAAAABQAAAAAAAAAwMD/AAAAAABkAAAAMgAAAAAAAABkAAAAAAAAAH9/fwAKAAAAIgAAABgAAAAAAAAAAAAAAAAAAAAAAAAAAAAAAAAAAAAkAAAAJAAAAAAAAAAHAAAAAAAAAAAAAAAAAAAAAAAAAAAAAAAAAAAAf39/ACUAAABYAAAAAAAAAAAAAAAAAAAAAAAAAAAAAAAAAAAAAAAAAAAAAAAAAAAAAAAAAAAAAAA/AAAAAAAAAKCGAQAAAAAAAAAAAAAAAAAMAAAAAQAAAAAAAAAAAAAAAAAAAB8AAABUAAAAAAAABQAAAAEAAAAAAAAAAAAAAAAAAAAAAAAAAAAAAAAAAAAAAAAAAAAAAAJ/f38AAAAAA8zMzADAwP8Af39/AAAAAAAAAAAAAAAAAAAAAAAAAAAAIQAAABgAAAAUAAAAOBMAABonAAAIJQAAWSkAABAAAAAmAAAACAAAAAAAAAAAAAAA"/>
               </a:ext>
             </a:extLst>
           </p:cNvSpPr>
@@ -681,7 +682,7 @@
             <a:spLocks noGrp="1" noChangeArrowheads="1"/>
             <a:extLst>
               <a:ext uri="smNativeData">
-                <pr:smNativeData xmlns:pr="smNativeData" xmlns="smNativeData" val="SMDATA_15_iunWYhMAAAAlAAAAZAAAAA0AAAAAkAAAAEgAAACQAAAASAAAAAAAAAABAAAAAAAAAAEAAABQAAAAAAAAAAAA4D8AAAAAAADgPwAAAAAAAOA/AAAAAAAA4D8AAAAAAADgPwAAAAAAAOA/AAAAAAAA4D8AAAAAAADgPwAAAAAAAOA/AAAAAAAA4D8CAAAAjAAAAAAAAAAAAAAAT4G9DP///wgAAAAAAAAAAAAAAAAAAAAAAAAAAAAAAAAAAAAAZAAAAAEAAABAAAAAAAAAAAAAAAAAAAAAAAAAAAAAAAAAAAAAAAAAAAAAAAAAAAAAAAAAAAAAAAAAAAAAAAAAAAAAAAAAAAAAAAAAAAAAAAAAAAAAAAAAAAAAAAAAAAAAFAAAADwAAAAAAAAAAAAAAAAAAAkUAAAAAQAAABQAAAAUAAAAFAAAAAEAAAAAAAAAZAAAAGQAAAAAAAAAZAAAAGQAAAAVAAAAYAAAAAAAAAAAAAAADwAAACADAAAAAAAAAAAAAAEAAACgMgAAVgcAAKr4//8BAAAAf39/AAEAAABkAAAAAAAAABQAAABAHwAAAAAAACYAAAAAAAAAwOD//wAAAAAmAAAAZAAAABYAAABMAAAAAAAAAAAAAAAEAAAAAAAAAAEAAADu7OEKAAAAACgAAAAoAAAAZAAAAGQAAAAAAAAAzMzMAAAAAABQAAAAUAAAAGQAAABkAAAAAAAAABcAAAAUAAAAAAAAAAAAAAD/fwAA/38AAAAAAAAJAAAABAAAABB7SpceAAAAaAAAAAAAAAAAAAAAAAAAAAAAAAAAAAAAECcAABAnAAAAAAAAAAAAAAAAAAAAAAAAAAAAAAAAAAAAAAAAAAAAABQAAAAAAAAAwMD/AAAAAABkAAAAMgAAAAAAAABkAAAAAAAAAH9/fwAKAAAAIgAAABgAAAAAAAAAAAAAAAAAAAAAAAAAAAAAAAAAAAAkAAAAJAAAAAAAAAAHAAAAAAAAAAAAAAAAAAAAAAAAAAAAAAAAAAAAf39/ACUAAABYAAAAAAAAAAAAAAAAAAAAAAAAAAAAAAAAAAAAAAAAAAAAAAAAAAAAAAAAAAAAAAA/AAAAAAAAAKCGAQAAAAAAAAAAAAAAAAAMAAAAAQAAAAAAAAAAAAAAAAAAAB8AAABUAAAAAAAABQAAAAEAAAAAAAAAAAAAAAAAAAAAAAAAAAAAAAAAAAAAAAAAAAAAAAJ/f38AAAAAA8zMzADAwP8Af39/AAAAAAAAAAAAAAAAAAAAAAAAAAAAIQAAABgAAAAUAAAAUCgAABonAABwNQAAWSkAABAAAAAmAAAACAAAAAAAAAAAAAAA"/>
+                <pr:smNativeData xmlns:pr="smNativeData" xmlns="smNativeData" val="SMDATA_15_0rbXYhMAAAAlAAAAZAAAAA0AAAAAkAAAAEgAAACQAAAASAAAAAAAAAABAAAAAAAAAAEAAABQAAAAAAAAAAAA4D8AAAAAAADgPwAAAAAAAOA/AAAAAAAA4D8AAAAAAADgPwAAAAAAAOA/AAAAAAAA4D8AAAAAAADgPwAAAAAAAOA/AAAAAAAA4D8CAAAAjAAAAAAAAAAAAAAAT4G9DP///wgAAAAAAAAAAAAAAAAAAAAAAAAAAAAAAAAAAAAAZAAAAAEAAABAAAAAAAAAAAAAAAAAAAAAAAAAAAAAAAAAAAAAAAAAAAAAAAAAAAAAAAAAAAAAAAAAAAAAAAAAAAAAAAAAAAAAAAAAAAAAAAAAAAAAAAAAAAAAAAAAAAAAFAAAADwAAAAAAAAAAAAAAAAAAAkUAAAAAQAAABQAAAAUAAAAFAAAAAEAAAAAAAAAZAAAAGQAAAAAAAAAZAAAAGQAAAAVAAAAYAAAAAAAAAAAAAAADwAAACADAAAAAAAAAAAAAAEAAACgMgAAVgcAAKr4//8BAAAAf39/AAEAAABkAAAAAAAAABQAAABAHwAAAAAAACYAAAAAAAAAwOD//wAAAAAmAAAAZAAAABYAAABMAAAAAAAAAAAAAAAEAAAAAAAAAAEAAADu7OEKAAAAACgAAAAoAAAAZAAAAGQAAAAAAAAAzMzMAAAAAABQAAAAUAAAAGQAAABkAAAAAAAAABcAAAAUAAAAAAAAAAAAAAD/fwAA/38AAAAAAAAJAAAABAAAABB7SpceAAAAaAAAAAAAAAAAAAAAAAAAAAAAAAAAAAAAECcAABAnAAAAAAAAAAAAAAAAAAAAAAAAAAAAAAAAAAAAAAAAAAAAABQAAAAAAAAAwMD/AAAAAABkAAAAMgAAAAAAAABkAAAAAAAAAH9/fwAKAAAAIgAAABgAAAAAAAAAAAAAAAAAAAAAAAAAAAAAAAAAAAAkAAAAJAAAAAAAAAAHAAAAAAAAAAAAAAAAAAAAAAAAAAAAAAAAAAAAf39/ACUAAABYAAAAAAAAAAAAAAAAAAAAAAAAAAAAAAAAAAAAAAAAAAAAAAAAAAAAAAAAAAAAAAA/AAAAAAAAAKCGAQAAAAAAAAAAAAAAAAAMAAAAAQAAAAAAAAAAAAAAAAAAAB8AAABUAAAAAAAABQAAAAEAAAAAAAAAAAAAAAAAAAAAAAAAAAAAAAAAAAAAAAAAAAAAAAJ/f38AAAAAA8zMzADAwP8Af39/AAAAAAAAAAAAAAAAAAAAAAAAAAAAIQAAABgAAAAUAAAAUCgAABonAABwNQAAWSkAABAAAAAmAAAACAAAAAAAAAAAAAAA"/>
               </a:ext>
             </a:extLst>
           </p:cNvSpPr>
@@ -697,7 +698,7 @@
             <a:pPr>
               <a:defRPr lang="fr-fr"/>
             </a:pPr>
-            <a:fld id="{7C8DDBFA-B491-D82D-DF35-4278957B2917}" type="slidenum">
+            <a:fld id="{330D1D6E-20DE-58EB-90B5-D6BE53FB6683}" type="slidenum">
               <a:t>‹#›</a:t>
             </a:fld>
           </a:p>
@@ -736,7 +737,7 @@
             <a:spLocks noGrp="1" noChangeArrowheads="1"/>
             <a:extLst>
               <a:ext uri="smNativeData">
-                <pr:smNativeData xmlns:pr="smNativeData" xmlns="smNativeData" val="SMDATA_15_iunWYhMAAAAlAAAAZAAAAA0AAAAAkAAAAEgAAACQAAAASAAAAAAAAAABAAAAAQAAAAEAAABQAAAAAAAAAAAA4D8AAAAAAADgPwAAAAAAAOA/AAAAAAAA4D8AAAAAAADgPwAAAAAAAOA/AAAAAAAA4D8AAAAAAADgPwAAAAAAAOA/AAAAAAAA4D8CAAAAjAAAAAAAAAAAAAAAT4G9DP///wgAAAAAAAAAAAAAAAAAAAAAAAAAAAAAAAAAAAAAZAAAAAEAAABAAAAAAAAAAAAAAAAAAAAAAAAAAAAAAAAAAAAAAAAAAAAAAAAAAAAAAAAAAAAAAAAAAAAAAAAAAAAAAAAAAAAAAAAAAAAAAAAAAAAAAAAAAAAAAAAAAAAAFAAAADwAAAAAAAAAAAAAAAAAAAkUAAAAAQAAABQAAAAUAAAAFAAAAAEAAAAAAAAAZAAAAGQAAAAAAAAAZAAAAGQAAAAVAAAAYAAAAAAAAAAAAAAADwAAACADAAAAAAAAAAAAAAEAAACgMgAAVgcAAKr4//8BAAAAf39/AAEAAABkAAAAAAAAABQAAABAHwAAAAAAACYAAAAAAAAAwOD//wAAAAAmAAAAZAAAABYAAABMAAAAAAAAAAAAAAAEAAAAAAAAAAEAAADu7OEKAAAAACgAAAAoAAAAZAAAAGQAAAAAAAAAzMzMAAAAAABQAAAAUAAAAGQAAABkAAAAAAAAABcAAAAUAAAAAAAAAAAAAAD/fwAA/38AAAAAAAAJAAAABAAAANAgJgEeAAAAaAAAAAAAAAAAAAAAAAAAAAAAAAAAAAAAECcAABAnAAAAAAAAAAAAAAAAAAAAAAAAAAAAAAAAAAAAAAAAAAAAABQAAAAAAAAAwMD/AAAAAABkAAAAMgAAAAAAAABkAAAAAAAAAH9/fwAKAAAAIgAAABgAAAAAAAAAAAAAAAAAAAAAAAAAAAAAAAAAAAAkAAAAJAAAAAAAAAAHAAAAAAAAAAAAAAAAAAAAAAAAAAAAAAAAAAAAf39/ACUAAABYAAAAAAAAAAAAAAAAAAAAAAAAAAAAAAAAAAAAAAAAAAAAAAAAAAAAAAAAAAAAAAA/AAAAAAAAAKCGAQAAAAAAAAAAAAAAAAAMAAAAAQAAAAAAAAAAAAAAAAAAAB8AAABUAAAAAAAABQAAAAEAAAAAAAAAAAAAAAAAAAAAAAAAAAAAAAAAAAAAAAAAAAAAAAJ/f38AAAAAA8zMzADAwP8Af39/AAAAAAAAAAAAAAAAAAAAAAAAAAAAIQAAABgAAAAUAAAAyCgAALEBAABwNQAAsCUAABAAAAAmAAAACAAAAAMAAAAAAAAA"/>
+                <pr:smNativeData xmlns:pr="smNativeData" xmlns="smNativeData" val="SMDATA_15_0rbXYhMAAAAlAAAAZAAAAA0AAAAAkAAAAEgAAACQAAAASAAAAAAAAAABAAAAAQAAAAEAAABQAAAAAAAAAAAA4D8AAAAAAADgPwAAAAAAAOA/AAAAAAAA4D8AAAAAAADgPwAAAAAAAOA/AAAAAAAA4D8AAAAAAADgPwAAAAAAAOA/AAAAAAAA4D8CAAAAjAAAAAAAAAAAAAAAT4G9DP///wgAAAAAAAAAAAAAAAAAAAAAAAAAAAAAAAAAAAAAZAAAAAEAAABAAAAAAAAAAAAAAAAAAAAAAAAAAAAAAAAAAAAAAAAAAAAAAAAAAAAAAAAAAAAAAAAAAAAAAAAAAAAAAAAAAAAAAAAAAAAAAAAAAAAAAAAAAAAAAAAAAAAAFAAAADwAAAAAAAAAAAAAAAAAAAkUAAAAAQAAABQAAAAUAAAAFAAAAAEAAAAAAAAAZAAAAGQAAAAAAAAAZAAAAGQAAAAVAAAAYAAAAAAAAAAAAAAADwAAACADAAAAAAAAAAAAAAEAAACgMgAAVgcAAKr4//8BAAAAf39/AAEAAABkAAAAAAAAABQAAABAHwAAAAAAACYAAAAAAAAAwOD//wAAAAAmAAAAZAAAABYAAABMAAAAAAAAAAAAAAAEAAAAAAAAAAEAAADu7OEKAAAAACgAAAAoAAAAZAAAAGQAAAAAAAAAzMzMAAAAAABQAAAAUAAAAGQAAABkAAAAAAAAABcAAAAUAAAAAAAAAAAAAAD/fwAA/38AAAAAAAAJAAAABAAAANAgJgEeAAAAaAAAAAAAAAAAAAAAAAAAAAAAAAAAAAAAECcAABAnAAAAAAAAAAAAAAAAAAAAAAAAAAAAAAAAAAAAAAAAAAAAABQAAAAAAAAAwMD/AAAAAABkAAAAMgAAAAAAAABkAAAAAAAAAH9/fwAKAAAAIgAAABgAAAAAAAAAAAAAAAAAAAAAAAAAAAAAAAAAAAAkAAAAJAAAAAAAAAAHAAAAAAAAAAAAAAAAAAAAAAAAAAAAAAAAAAAAf39/ACUAAABYAAAAAAAAAAAAAAAAAAAAAAAAAAAAAAAAAAAAAAAAAAAAAAAAAAAAAAAAAAAAAAA/AAAAAAAAAKCGAQAAAAAAAAAAAAAAAAAMAAAAAQAAAAAAAAAAAAAAAAAAAB8AAABUAAAAAAAABQAAAAEAAAAAAAAAAAAAAAAAAAAAAAAAAAAAAAAAAAAAAAAAAAAAAAJ/f38AAAAAA8zMzADAwP8Af39/AAAAAAAAAAAAAAAAAAAAAAAAAAAAIQAAABgAAAAUAAAAyCgAALEBAABwNQAAsCUAABAAAAAmAAAACAAAAAMAAAAAAAAA"/>
               </a:ext>
             </a:extLst>
           </p:cNvSpPr>
@@ -774,7 +775,7 @@
             <a:spLocks noGrp="1" noChangeArrowheads="1"/>
             <a:extLst>
               <a:ext uri="smNativeData">
-                <pr:smNativeData xmlns:pr="smNativeData" xmlns="smNativeData" val="SMDATA_15_iunWYhMAAAAlAAAAZAAAAA0AAAAAkAAAAEgAAACQAAAASAAAAAAAAAAAAAAAAQAAAAEAAABQAAAAAAAAAAAA4D8AAAAAAADgPwAAAAAAAOA/AAAAAAAA4D8AAAAAAADgPwAAAAAAAOA/AAAAAAAA4D8AAAAAAADgPwAAAAAAAOA/AAAAAAAA4D8CAAAAjAAAAAAAAAAAAAAAT4G9DP///wgAAAAAAAAAAAAAAAAAAAAAAAAAAAAAAAAAAAAAZAAAAAEAAABAAAAAAAAAAAAAAAAAAAAAAAAAAAAAAAAAAAAAAAAAAAAAAAAAAAAAAAAAAAAAAAAAAAAAAAAAAAAAAAAAAAAAAAAAAAAAAAAAAAAAAAAAAAAAAAAAAAAAFAAAADwAAAAAAAAAAAAAAAAAAAkUAAAAAQAAABQAAAAUAAAAFAAAAAEAAAAAAAAAZAAAAGQAAAAAAAAAZAAAAGQAAAAVAAAAYAAAAAAAAAAAAAAADwAAACADAAAAAAAAAAAAAAEAAACgMgAAVgcAAKr4//8BAAAAf39/AAEAAABkAAAAAAAAABQAAABAHwAAAAAAACYAAAAAAAAAwOD//wAAAAAmAAAAZAAAABYAAABMAAAAAAAAAAAAAAAEAAAAAAAAAAEAAADu7OEKAAAAACgAAAAoAAAAZAAAAGQAAAAAAAAAzMzMAAAAAABQAAAAUAAAAGQAAABkAAAAAAAAABcAAAAUAAAAAAAAAAAAAAD/fwAA/38AAAAAAAAJAAAABAAAAFRhcmceAAAAaAAAAAAAAAAAAAAAAAAAAAAAAAAAAAAAECcAABAnAAAAAAAAAAAAAAAAAAAAAAAAAAAAAAAAAAAAAAAAAAAAABQAAAAAAAAAwMD/AAAAAABkAAAAMgAAAAAAAABkAAAAAAAAAH9/fwAKAAAAIgAAABgAAAAAAAAAAAAAAAAAAAAAAAAAAAAAAAAAAAAkAAAAJAAAAAAAAAAHAAAAAAAAAAAAAAAAAAAAAAAAAAAAAAAAAAAAf39/ACUAAABYAAAAAAAAAAAAAAAAAAAAAAAAAAAAAAAAAAAAAAAAAAAAAAAAAAAAAAAAAAAAAAA/AAAAAAAAAKCGAQAAAAAAAAAAAAAAAAAMAAAAAQAAAAAAAAAAAAAAAAAAAB8AAABUAAAAAAAABQAAAAEAAAAAAAAAAAAAAAAAAAAAAAAAAAAAAAAAAAAAAAAAAAAAAAJ/f38AAAAAA8zMzADAwP8Af39/AAAAAAAAAAAAAAAAAAAAAAAAAAAAIQAAABgAAAAUAAAA0AIAALEBAADYJwAAsCUAABAAAAAmAAAACAAAAAMAAAAAAAAA"/>
+                <pr:smNativeData xmlns:pr="smNativeData" xmlns="smNativeData" val="SMDATA_15_0rbXYhMAAAAlAAAAZAAAAA0AAAAAkAAAAEgAAACQAAAASAAAAAAAAAAAAAAAAQAAAAEAAABQAAAAAAAAAAAA4D8AAAAAAADgPwAAAAAAAOA/AAAAAAAA4D8AAAAAAADgPwAAAAAAAOA/AAAAAAAA4D8AAAAAAADgPwAAAAAAAOA/AAAAAAAA4D8CAAAAjAAAAAAAAAAAAAAAT4G9DP///wgAAAAAAAAAAAAAAAAAAAAAAAAAAAAAAAAAAAAAZAAAAAEAAABAAAAAAAAAAAAAAAAAAAAAAAAAAAAAAAAAAAAAAAAAAAAAAAAAAAAAAAAAAAAAAAAAAAAAAAAAAAAAAAAAAAAAAAAAAAAAAAAAAAAAAAAAAAAAAAAAAAAAFAAAADwAAAAAAAAAAAAAAAAAAAkUAAAAAQAAABQAAAAUAAAAFAAAAAEAAAAAAAAAZAAAAGQAAAAAAAAAZAAAAGQAAAAVAAAAYAAAAAAAAAAAAAAADwAAACADAAAAAAAAAAAAAAEAAACgMgAAVgcAAKr4//8BAAAAf39/AAEAAABkAAAAAAAAABQAAABAHwAAAAAAACYAAAAAAAAAwOD//wAAAAAmAAAAZAAAABYAAABMAAAAAAAAAAAAAAAEAAAAAAAAAAEAAADu7OEKAAAAACgAAAAoAAAAZAAAAGQAAAAAAAAAzMzMAAAAAABQAAAAUAAAAGQAAABkAAAAAAAAABcAAAAUAAAAAAAAAAAAAAD/fwAA/38AAAAAAAAJAAAABAAAAFRhcmceAAAAaAAAAAAAAAAAAAAAAAAAAAAAAAAAAAAAECcAABAnAAAAAAAAAAAAAAAAAAAAAAAAAAAAAAAAAAAAAAAAAAAAABQAAAAAAAAAwMD/AAAAAABkAAAAMgAAAAAAAABkAAAAAAAAAH9/fwAKAAAAIgAAABgAAAAAAAAAAAAAAAAAAAAAAAAAAAAAAAAAAAAkAAAAJAAAAAAAAAAHAAAAAAAAAAAAAAAAAAAAAAAAAAAAAAAAAAAAf39/ACUAAABYAAAAAAAAAAAAAAAAAAAAAAAAAAAAAAAAAAAAAAAAAAAAAAAAAAAAAAAAAAAAAAA/AAAAAAAAAKCGAQAAAAAAAAAAAAAAAAAMAAAAAQAAAAAAAAAAAAAAAAAAAB8AAABUAAAAAAAABQAAAAEAAAAAAAAAAAAAAAAAAAAAAAAAAAAAAAAAAAAAAAAAAAAAAAJ/f38AAAAAA8zMzADAwP8Af39/AAAAAAAAAAAAAAAAAAAAAAAAAAAAIQAAABgAAAAUAAAA0AIAALEBAADYJwAAsCUAABAAAAAmAAAACAAAAAMAAAAAAAAA"/>
               </a:ext>
             </a:extLst>
           </p:cNvSpPr>
@@ -844,7 +845,7 @@
             <a:spLocks noGrp="1" noChangeArrowheads="1"/>
             <a:extLst>
               <a:ext uri="smNativeData">
-                <pr:smNativeData xmlns:pr="smNativeData" xmlns="smNativeData" val="SMDATA_15_iunWYhMAAAAlAAAAZAAAAA0AAAAAkAAAAEgAAACQAAAASAAAAAAAAAABAAAAAAAAAAEAAABQAAAAAAAAAAAA4D8AAAAAAADgPwAAAAAAAOA/AAAAAAAA4D8AAAAAAADgPwAAAAAAAOA/AAAAAAAA4D8AAAAAAADgPwAAAAAAAOA/AAAAAAAA4D8CAAAAjAAAAAAAAAAAAAAAT4G9DP///wgAAAAAAAAAAAAAAAAAAAAAAAAAAAAAAAAAAAAAZAAAAAEAAABAAAAAAAAAAAAAAAAAAAAAAAAAAAAAAAAAAAAAAAAAAAAAAAAAAAAAAAAAAAAAAAAAAAAAAAAAAAAAAAAAAAAAAAAAAAAAAAAAAAAAAAAAAAAAAAAAAAAAFAAAADwAAAAAAAAAAAAAAAAAAAkUAAAAAQAAABQAAAAUAAAAFAAAAAEAAAAAAAAAZAAAAGQAAAAAAAAAZAAAAGQAAAAVAAAAYAAAAAAAAAAAAAAADwAAACADAAAAAAAAAAAAAAEAAACgMgAAVgcAAKr4//8BAAAAf39/AAEAAABkAAAAAAAAABQAAABAHwAAAAAAACYAAAAAAAAAwOD//wAAAAAmAAAAZAAAABYAAABMAAAAAAAAAAAAAAAEAAAAAAAAAAEAAADu7OEKAAAAACgAAAAoAAAAZAAAAGQAAAAAAAAAzMzMAAAAAABQAAAAUAAAAGQAAABkAAAAAAAAABcAAAAUAAAAAAAAAAAAAAD/fwAA/38AAAAAAAAJAAAABAAAABB7SpceAAAAaAAAAAAAAAAAAAAAAAAAAAAAAAAAAAAAECcAABAnAAAAAAAAAAAAAAAAAAAAAAAAAAAAAAAAAAAAAAAAAAAAABQAAAAAAAAAwMD/AAAAAABkAAAAMgAAAAAAAABkAAAAAAAAAH9/fwAKAAAAIgAAABgAAAAAAAAAAAAAAAAAAAAAAAAAAAAAAAAAAAAkAAAAJAAAAAAAAAAHAAAAAAAAAAAAAAAAAAAAAAAAAAAAAAAAAAAAf39/ACUAAABYAAAAAAAAAAAAAAAAAAAAAAAAAAAAAAAAAAAAAAAAAAAAAAAAAAAAAAAAAAAAAAA/AAAAAAAAAKCGAQAAAAAAAAAAAAAAAAAMAAAAAQAAAAAAAAAAAAAAAAAAAB8AAABUAAAAAAAABQAAAAEAAAAAAAAAAAAAAAAAAAAAAAAAAAAAAAAAAAAAAAAAAAAAAAJ/f38AAAAAA8zMzADAwP8Af39/AAAAAAAAAAAAAAAAAAAAAAAAAAAAIQAAABgAAAAUAAAA0AIAABonAADwDwAAWSkAABAAAAAmAAAACAAAAAAAAAAAAAAA"/>
+                <pr:smNativeData xmlns:pr="smNativeData" xmlns="smNativeData" val="SMDATA_15_0rbXYhMAAAAlAAAAZAAAAA0AAAAAkAAAAEgAAACQAAAASAAAAAAAAAABAAAAAAAAAAEAAABQAAAAAAAAAAAA4D8AAAAAAADgPwAAAAAAAOA/AAAAAAAA4D8AAAAAAADgPwAAAAAAAOA/AAAAAAAA4D8AAAAAAADgPwAAAAAAAOA/AAAAAAAA4D8CAAAAjAAAAAAAAAAAAAAAT4G9DP///wgAAAAAAAAAAAAAAAAAAAAAAAAAAAAAAAAAAAAAZAAAAAEAAABAAAAAAAAAAAAAAAAAAAAAAAAAAAAAAAAAAAAAAAAAAAAAAAAAAAAAAAAAAAAAAAAAAAAAAAAAAAAAAAAAAAAAAAAAAAAAAAAAAAAAAAAAAAAAAAAAAAAAFAAAADwAAAAAAAAAAAAAAAAAAAkUAAAAAQAAABQAAAAUAAAAFAAAAAEAAAAAAAAAZAAAAGQAAAAAAAAAZAAAAGQAAAAVAAAAYAAAAAAAAAAAAAAADwAAACADAAAAAAAAAAAAAAEAAACgMgAAVgcAAKr4//8BAAAAf39/AAEAAABkAAAAAAAAABQAAABAHwAAAAAAACYAAAAAAAAAwOD//wAAAAAmAAAAZAAAABYAAABMAAAAAAAAAAAAAAAEAAAAAAAAAAEAAADu7OEKAAAAACgAAAAoAAAAZAAAAGQAAAAAAAAAzMzMAAAAAABQAAAAUAAAAGQAAABkAAAAAAAAABcAAAAUAAAAAAAAAAAAAAD/fwAA/38AAAAAAAAJAAAABAAAABB7SpceAAAAaAAAAAAAAAAAAAAAAAAAAAAAAAAAAAAAECcAABAnAAAAAAAAAAAAAAAAAAAAAAAAAAAAAAAAAAAAAAAAAAAAABQAAAAAAAAAwMD/AAAAAABkAAAAMgAAAAAAAABkAAAAAAAAAH9/fwAKAAAAIgAAABgAAAAAAAAAAAAAAAAAAAAAAAAAAAAAAAAAAAAkAAAAJAAAAAAAAAAHAAAAAAAAAAAAAAAAAAAAAAAAAAAAAAAAAAAAf39/ACUAAABYAAAAAAAAAAAAAAAAAAAAAAAAAAAAAAAAAAAAAAAAAAAAAAAAAAAAAAAAAAAAAAA/AAAAAAAAAKCGAQAAAAAAAAAAAAAAAAAMAAAAAQAAAAAAAAAAAAAAAAAAAB8AAABUAAAAAAAABQAAAAEAAAAAAAAAAAAAAAAAAAAAAAAAAAAAAAAAAAAAAAAAAAAAAAJ/f38AAAAAA8zMzADAwP8Af39/AAAAAAAAAAAAAAAAAAAAAAAAAAAAIQAAABgAAAAUAAAA0AIAABonAADwDwAAWSkAABAAAAAmAAAACAAAAAAAAAAAAAAA"/>
               </a:ext>
             </a:extLst>
           </p:cNvSpPr>
@@ -860,7 +861,7 @@
             <a:pPr>
               <a:defRPr lang="fr-fr"/>
             </a:pPr>
-            <a:fld id="{2CBE6A15-5BC1-EB9C-8F06-ADC9244879F8}" type="datetime1">
+            <a:fld id="{1F97B976-38F2-C24F-BC2F-CE1AF7614A9B}" type="datetime1">
               <a:t>1/04/15</a:t>
             </a:fld>
           </a:p>
@@ -873,7 +874,7 @@
             <a:spLocks noGrp="1" noChangeArrowheads="1"/>
             <a:extLst>
               <a:ext uri="smNativeData">
-                <pr:smNativeData xmlns:pr="smNativeData" xmlns="smNativeData" val="SMDATA_15_iunWYhMAAAAlAAAAZAAAAA0AAAAAkAAAAEgAAACQAAAASAAAAAAAAAABAAAAAAAAAAEAAABQAAAAAAAAAAAA4D8AAAAAAADgPwAAAAAAAOA/AAAAAAAA4D8AAAAAAADgPwAAAAAAAOA/AAAAAAAA4D8AAAAAAADgPwAAAAAAAOA/AAAAAAAA4D8CAAAAjAAAAAAAAAAAAAAAT4G9DP///wgAAAAAAAAAAAAAAAAAAAAAAAAAAAAAAAAAAAAAZAAAAAEAAABAAAAAAAAAAAAAAAAAAAAAAAAAAAAAAAAAAAAAAAAAAAAAAAAAAAAAAAAAAAAAAAAAAAAAAAAAAAAAAAAAAAAAAAAAAAAAAAAAAAAAAAAAAAAAAAAAAAAAFAAAADwAAAAAAAAAAAAAAAAAAAkUAAAAAQAAABQAAAAUAAAAFAAAAAEAAAAAAAAAZAAAAGQAAAAAAAAAZAAAAGQAAAAVAAAAYAAAAAAAAAAAAAAADwAAACADAAAAAAAAAAAAAAEAAACgMgAAVgcAAKr4//8BAAAAf39/AAEAAABkAAAAAAAAABQAAABAHwAAAAAAACYAAAAAAAAAwOD//wAAAAAmAAAAZAAAABYAAABMAAAAAAAAAAAAAAAEAAAAAAAAAAEAAADu7OEKAAAAACgAAAAoAAAAZAAAAGQAAAAAAAAAzMzMAAAAAABQAAAAUAAAAGQAAABkAAAAAAAAABcAAAAUAAAAAAAAAAAAAAD/fwAA/38AAAAAAAAJAAAABAAAAFRhcmceAAAAaAAAAAAAAAAAAAAAAAAAAAAAAAAAAAAAECcAABAnAAAAAAAAAAAAAAAAAAAAAAAAAAAAAAAAAAAAAAAAAAAAABQAAAAAAAAAwMD/AAAAAABkAAAAMgAAAAAAAABkAAAAAAAAAH9/fwAKAAAAIgAAABgAAAAAAAAAAAAAAAAAAAAAAAAAAAAAAAAAAAAkAAAAJAAAAAAAAAAHAAAAAAAAAAAAAAAAAAAAAAAAAAAAAAAAAAAAf39/ACUAAABYAAAAAAAAAAAAAAAAAAAAAAAAAAAAAAAAAAAAAAAAAAAAAAAAAAAAAAAAAAAAAAA/AAAAAAAAAKCGAQAAAAAAAAAAAAAAAAAMAAAAAQAAAAAAAAAAAAAAAAAAAB8AAABUAAAAAAAABQAAAAEAAAAAAAAAAAAAAAAAAAAAAAAAAAAAAAAAAAAAAAAAAAAAAAJ/f38AAAAAA8zMzADAwP8Af39/AAAAAAAAAAAAAAAAAAAAAAAAAAAAIQAAABgAAAAUAAAAOBMAABonAAAIJQAAWSkAABAAAAAmAAAACAAAAAAAAAAAAAAA"/>
+                <pr:smNativeData xmlns:pr="smNativeData" xmlns="smNativeData" val="SMDATA_15_0rbXYhMAAAAlAAAAZAAAAA0AAAAAkAAAAEgAAACQAAAASAAAAAAAAAABAAAAAAAAAAEAAABQAAAAAAAAAAAA4D8AAAAAAADgPwAAAAAAAOA/AAAAAAAA4D8AAAAAAADgPwAAAAAAAOA/AAAAAAAA4D8AAAAAAADgPwAAAAAAAOA/AAAAAAAA4D8CAAAAjAAAAAAAAAAAAAAAT4G9DP///wgAAAAAAAAAAAAAAAAAAAAAAAAAAAAAAAAAAAAAZAAAAAEAAABAAAAAAAAAAAAAAAAAAAAAAAAAAAAAAAAAAAAAAAAAAAAAAAAAAAAAAAAAAAAAAAAAAAAAAAAAAAAAAAAAAAAAAAAAAAAAAAAAAAAAAAAAAAAAAAAAAAAAFAAAADwAAAAAAAAAAAAAAAAAAAkUAAAAAQAAABQAAAAUAAAAFAAAAAEAAAAAAAAAZAAAAGQAAAAAAAAAZAAAAGQAAAAVAAAAYAAAAAAAAAAAAAAADwAAACADAAAAAAAAAAAAAAEAAACgMgAAVgcAAKr4//8BAAAAf39/AAEAAABkAAAAAAAAABQAAABAHwAAAAAAACYAAAAAAAAAwOD//wAAAAAmAAAAZAAAABYAAABMAAAAAAAAAAAAAAAEAAAAAAAAAAEAAADu7OEKAAAAACgAAAAoAAAAZAAAAGQAAAAAAAAAzMzMAAAAAABQAAAAUAAAAGQAAABkAAAAAAAAABcAAAAUAAAAAAAAAAAAAAD/fwAA/38AAAAAAAAJAAAABAAAAFRhcmceAAAAaAAAAAAAAAAAAAAAAAAAAAAAAAAAAAAAECcAABAnAAAAAAAAAAAAAAAAAAAAAAAAAAAAAAAAAAAAAAAAAAAAABQAAAAAAAAAwMD/AAAAAABkAAAAMgAAAAAAAABkAAAAAAAAAH9/fwAKAAAAIgAAABgAAAAAAAAAAAAAAAAAAAAAAAAAAAAAAAAAAAAkAAAAJAAAAAAAAAAHAAAAAAAAAAAAAAAAAAAAAAAAAAAAAAAAAAAAf39/ACUAAABYAAAAAAAAAAAAAAAAAAAAAAAAAAAAAAAAAAAAAAAAAAAAAAAAAAAAAAAAAAAAAAA/AAAAAAAAAKCGAQAAAAAAAAAAAAAAAAAMAAAAAQAAAAAAAAAAAAAAAAAAAB8AAABUAAAAAAAABQAAAAEAAAAAAAAAAAAAAAAAAAAAAAAAAAAAAAAAAAAAAAAAAAAAAAJ/f38AAAAAA8zMzADAwP8Af39/AAAAAAAAAAAAAAAAAAAAAAAAAAAAIQAAABgAAAAUAAAAOBMAABonAAAIJQAAWSkAABAAAAAmAAAACAAAAAAAAAAAAAAA"/>
               </a:ext>
             </a:extLst>
           </p:cNvSpPr>
@@ -899,7 +900,7 @@
             <a:spLocks noGrp="1" noChangeArrowheads="1"/>
             <a:extLst>
               <a:ext uri="smNativeData">
-                <pr:smNativeData xmlns:pr="smNativeData" xmlns="smNativeData" val="SMDATA_15_iunWYhMAAAAlAAAAZAAAAA0AAAAAkAAAAEgAAACQAAAASAAAAAAAAAABAAAAAAAAAAEAAABQAAAAAAAAAAAA4D8AAAAAAADgPwAAAAAAAOA/AAAAAAAA4D8AAAAAAADgPwAAAAAAAOA/AAAAAAAA4D8AAAAAAADgPwAAAAAAAOA/AAAAAAAA4D8CAAAAjAAAAAAAAAAAAAAAT4G9DP///wgAAAAAAAAAAAAAAAAAAAAAAAAAAAAAAAAAAAAAZAAAAAEAAABAAAAAAAAAAAAAAAAAAAAAAAAAAAAAAAAAAAAAAAAAAAAAAAAAAAAAAAAAAAAAAAAAAAAAAAAAAAAAAAAAAAAAAAAAAAAAAAAAAAAAAAAAAAAAAAAAAAAAFAAAADwAAAAAAAAAAAAAAAAAAAkUAAAAAQAAABQAAAAUAAAAFAAAAAEAAAAAAAAAZAAAAGQAAAAAAAAAZAAAAGQAAAAVAAAAYAAAAAAAAAAAAAAADwAAACADAAAAAAAAAAAAAAEAAACgMgAAVgcAAKr4//8BAAAAf39/AAEAAABkAAAAAAAAABQAAABAHwAAAAAAACYAAAAAAAAAwOD//wAAAAAmAAAAZAAAABYAAABMAAAAAAAAAAAAAAAEAAAAAAAAAAEAAADu7OEKAAAAACgAAAAoAAAAZAAAAGQAAAAAAAAAzMzMAAAAAABQAAAAUAAAAGQAAABkAAAAAAAAABcAAAAUAAAAAAAAAAAAAAD/fwAA/38AAAAAAAAJAAAABAAAABB7SpceAAAAaAAAAAAAAAAAAAAAAAAAAAAAAAAAAAAAECcAABAnAAAAAAAAAAAAAAAAAAAAAAAAAAAAAAAAAAAAAAAAAAAAABQAAAAAAAAAwMD/AAAAAABkAAAAMgAAAAAAAABkAAAAAAAAAH9/fwAKAAAAIgAAABgAAAAAAAAAAAAAAAAAAAAAAAAAAAAAAAAAAAAkAAAAJAAAAAAAAAAHAAAAAAAAAAAAAAAAAAAAAAAAAAAAAAAAAAAAf39/ACUAAABYAAAAAAAAAAAAAAAAAAAAAAAAAAAAAAAAAAAAAAAAAAAAAAAAAAAAAAAAAAAAAAA/AAAAAAAAAKCGAQAAAAAAAAAAAAAAAAAMAAAAAQAAAAAAAAAAAAAAAAAAAB8AAABUAAAAAAAABQAAAAEAAAAAAAAAAAAAAAAAAAAAAAAAAAAAAAAAAAAAAAAAAAAAAAJ/f38AAAAAA8zMzADAwP8Af39/AAAAAAAAAAAAAAAAAAAAAAAAAAAAIQAAABgAAAAUAAAAUCgAABonAABwNQAAWSkAABAAAAAmAAAACAAAAAAAAAAAAAAA"/>
+                <pr:smNativeData xmlns:pr="smNativeData" xmlns="smNativeData" val="SMDATA_15_0rbXYhMAAAAlAAAAZAAAAA0AAAAAkAAAAEgAAACQAAAASAAAAAAAAAABAAAAAAAAAAEAAABQAAAAAAAAAAAA4D8AAAAAAADgPwAAAAAAAOA/AAAAAAAA4D8AAAAAAADgPwAAAAAAAOA/AAAAAAAA4D8AAAAAAADgPwAAAAAAAOA/AAAAAAAA4D8CAAAAjAAAAAAAAAAAAAAAT4G9DP///wgAAAAAAAAAAAAAAAAAAAAAAAAAAAAAAAAAAAAAZAAAAAEAAABAAAAAAAAAAAAAAAAAAAAAAAAAAAAAAAAAAAAAAAAAAAAAAAAAAAAAAAAAAAAAAAAAAAAAAAAAAAAAAAAAAAAAAAAAAAAAAAAAAAAAAAAAAAAAAAAAAAAAFAAAADwAAAAAAAAAAAAAAAAAAAkUAAAAAQAAABQAAAAUAAAAFAAAAAEAAAAAAAAAZAAAAGQAAAAAAAAAZAAAAGQAAAAVAAAAYAAAAAAAAAAAAAAADwAAACADAAAAAAAAAAAAAAEAAACgMgAAVgcAAKr4//8BAAAAf39/AAEAAABkAAAAAAAAABQAAABAHwAAAAAAACYAAAAAAAAAwOD//wAAAAAmAAAAZAAAABYAAABMAAAAAAAAAAAAAAAEAAAAAAAAAAEAAADu7OEKAAAAACgAAAAoAAAAZAAAAGQAAAAAAAAAzMzMAAAAAABQAAAAUAAAAGQAAABkAAAAAAAAABcAAAAUAAAAAAAAAAAAAAD/fwAA/38AAAAAAAAJAAAABAAAABB7SpceAAAAaAAAAAAAAAAAAAAAAAAAAAAAAAAAAAAAECcAABAnAAAAAAAAAAAAAAAAAAAAAAAAAAAAAAAAAAAAAAAAAAAAABQAAAAAAAAAwMD/AAAAAABkAAAAMgAAAAAAAABkAAAAAAAAAH9/fwAKAAAAIgAAABgAAAAAAAAAAAAAAAAAAAAAAAAAAAAAAAAAAAAkAAAAJAAAAAAAAAAHAAAAAAAAAAAAAAAAAAAAAAAAAAAAAAAAAAAAf39/ACUAAABYAAAAAAAAAAAAAAAAAAAAAAAAAAAAAAAAAAAAAAAAAAAAAAAAAAAAAAAAAAAAAAA/AAAAAAAAAKCGAQAAAAAAAAAAAAAAAAAMAAAAAQAAAAAAAAAAAAAAAAAAAB8AAABUAAAAAAAABQAAAAEAAAAAAAAAAAAAAAAAAAAAAAAAAAAAAAAAAAAAAAAAAAAAAAJ/f38AAAAAA8zMzADAwP8Af39/AAAAAAAAAAAAAAAAAAAAAAAAAAAAIQAAABgAAAAUAAAAUCgAABonAABwNQAAWSkAABAAAAAmAAAACAAAAAAAAAAAAAAA"/>
               </a:ext>
             </a:extLst>
           </p:cNvSpPr>
@@ -915,7 +916,7 @@
             <a:pPr>
               <a:defRPr lang="fr-fr"/>
             </a:pPr>
-            <a:fld id="{0016740C-42ED-4382-A3AE-B4D73AE055E1}" type="slidenum">
+            <a:fld id="{0E316D7B-35E3-649B-AD89-C3CE23C75B96}" type="slidenum">
               <a:t>‹#›</a:t>
             </a:fld>
           </a:p>
@@ -954,7 +955,7 @@
             <a:spLocks noGrp="1" noChangeArrowheads="1"/>
             <a:extLst>
               <a:ext uri="smNativeData">
-                <pr:smNativeData xmlns:pr="smNativeData" xmlns="smNativeData" val="SMDATA_15_iunWYhMAAAAlAAAAZAAAAA0AAAAAkAAAAEgAAACQAAAASAAAAAAAAAABAAAAAAAAAAEAAABQAAAAAAAAAAAA4D8AAAAAAADgPwAAAAAAAOA/AAAAAAAA4D8AAAAAAADgPwAAAAAAAOA/AAAAAAAA4D8AAAAAAADgPwAAAAAAAOA/AAAAAAAA4D8CAAAAjAAAAAAAAAAAAAAAT4G9DP///wgAAAAAAAAAAAAAAAAAAAAAAAAAAAAAAAAAAAAAZAAAAAEAAABAAAAAAAAAAAAAAAAAAAAAAAAAAAAAAAAAAAAAAAAAAAAAAAAAAAAAAAAAAAAAAAAAAAAAAAAAAAAAAAAAAAAAAAAAAAAAAAAAAAAAAAAAAAAAAAAAAAAAFAAAADwAAAAAAAAAAAAAAAAAAAkUAAAAAQAAABQAAAAUAAAAFAAAAAEAAAAAAAAAZAAAAGQAAAAAAAAAZAAAAGQAAAAVAAAAYAAAAAAAAAAAAAAADwAAACADAAAAAAAAAAAAAAEAAACgMgAAVgcAAKr4//8BAAAAf39/AAEAAABkAAAAAAAAABQAAABAHwAAAAAAACYAAAAAAAAAwOD//wAAAAAmAAAAZAAAABYAAABMAAAAAAAAAAAAAAAEAAAAAAAAAAEAAADu7OEKAAAAACgAAAAoAAAAZAAAAGQAAAAAAAAAzMzMAAAAAABQAAAAUAAAAGQAAABkAAAAAAAAABcAAAAUAAAAAAAAAAAAAAD/fwAA/38AAAAAAAAJAAAABAAAAGZ3QUEeAAAAaAAAAAAAAAAAAAAAAAAAAAAAAAAAAAAAECcAABAnAAAAAAAAAAAAAAAAAAAAAAAAAAAAAAAAAAAAAAAAAAAAABQAAAAAAAAAwMD/AAAAAABkAAAAMgAAAAAAAABkAAAAAAAAAH9/fwAKAAAAIgAAABgAAAAAAAAAAAAAAAAAAAAAAAAAAAAAAAAAAAAkAAAAJAAAAAAAAAAHAAAAAAAAAAAAAAAAAAAAAAAAAAAAAAAAAAAAf39/ACUAAABYAAAAAAAAAAAAAAAAAAAAAAAAAAAAAAAAAAAAAAAAAAAAAAAAAAAAAAAAAAAAAAA/AAAAAAAAAKCGAQAAAAAAAAAAAAAAAAAMAAAAAQAAAAAAAAAAAAAAAAAAAB8AAABUAAAAAAAABQAAAAEAAAAAAAAAAAAAAAAAAAAAAAAAAAAAAAAAAAAAAAAAAAAAAAJ/f38AAAAAA8zMzADAwP8Af39/AAAAAAAAAAAAAAAAAAAAAAAAAAAAIQAAABgAAAAUAAAA0AIAALEBAABwNQAAuQgAABAAAAAmAAAACAAAAAAAAAAAAAAA"/>
+                <pr:smNativeData xmlns:pr="smNativeData" xmlns="smNativeData" val="SMDATA_15_0rbXYhMAAAAlAAAAZAAAAA0AAAAAkAAAAEgAAACQAAAASAAAAAAAAAABAAAAAAAAAAEAAABQAAAAAAAAAAAA4D8AAAAAAADgPwAAAAAAAOA/AAAAAAAA4D8AAAAAAADgPwAAAAAAAOA/AAAAAAAA4D8AAAAAAADgPwAAAAAAAOA/AAAAAAAA4D8CAAAAjAAAAAAAAAAAAAAAT4G9DP///wgAAAAAAAAAAAAAAAAAAAAAAAAAAAAAAAAAAAAAZAAAAAEAAABAAAAAAAAAAAAAAAAAAAAAAAAAAAAAAAAAAAAAAAAAAAAAAAAAAAAAAAAAAAAAAAAAAAAAAAAAAAAAAAAAAAAAAAAAAAAAAAAAAAAAAAAAAAAAAAAAAAAAFAAAADwAAAAAAAAAAAAAAAAAAAkUAAAAAQAAABQAAAAUAAAAFAAAAAEAAAAAAAAAZAAAAGQAAAAAAAAAZAAAAGQAAAAVAAAAYAAAAAAAAAAAAAAADwAAACADAAAAAAAAAAAAAAEAAACgMgAAVgcAAKr4//8BAAAAf39/AAEAAABkAAAAAAAAABQAAABAHwAAAAAAACYAAAAAAAAAwOD//wAAAAAmAAAAZAAAABYAAABMAAAAAAAAAAAAAAAEAAAAAAAAAAEAAADu7OEKAAAAACgAAAAoAAAAZAAAAGQAAAAAAAAAzMzMAAAAAABQAAAAUAAAAGQAAABkAAAAAAAAABcAAAAUAAAAAAAAAAAAAAD/fwAA/38AAAAAAAAJAAAABAAAAGZ3QUEeAAAAaAAAAAAAAAAAAAAAAAAAAAAAAAAAAAAAECcAABAnAAAAAAAAAAAAAAAAAAAAAAAAAAAAAAAAAAAAAAAAAAAAABQAAAAAAAAAwMD/AAAAAABkAAAAMgAAAAAAAABkAAAAAAAAAH9/fwAKAAAAIgAAABgAAAAAAAAAAAAAAAAAAAAAAAAAAAAAAAAAAAAkAAAAJAAAAAAAAAAHAAAAAAAAAAAAAAAAAAAAAAAAAAAAAAAAAAAAf39/ACUAAABYAAAAAAAAAAAAAAAAAAAAAAAAAAAAAAAAAAAAAAAAAAAAAAAAAAAAAAAAAAAAAAA/AAAAAAAAAKCGAQAAAAAAAAAAAAAAAAAMAAAAAQAAAAAAAAAAAAAAAAAAAB8AAABUAAAAAAAABQAAAAEAAAAAAAAAAAAAAAAAAAAAAAAAAAAAAAAAAAAAAAAAAAAAAAJ/f38AAAAAA8zMzADAwP8Af39/AAAAAAAAAAAAAAAAAAAAAAAAAAAAIQAAABgAAAAUAAAA0AIAALEBAABwNQAAuQgAABAAAAAmAAAACAAAAAAAAAAAAAAA"/>
               </a:ext>
             </a:extLst>
           </p:cNvSpPr>
@@ -983,7 +984,7 @@
             <a:spLocks noGrp="1" noChangeArrowheads="1"/>
             <a:extLst>
               <a:ext uri="smNativeData">
-                <pr:smNativeData xmlns:pr="smNativeData" xmlns="smNativeData" val="SMDATA_15_iunWYhMAAAAlAAAAZAAAAA0AAAAAkAAAAEgAAACQAAAASAAAAAAAAAAAAAAAAAAAAAEAAABQAAAAAAAAAAAA4D8AAAAAAADgPwAAAAAAAOA/AAAAAAAA4D8AAAAAAADgPwAAAAAAAOA/AAAAAAAA4D8AAAAAAADgPwAAAAAAAOA/AAAAAAAA4D8CAAAAjAAAAAAAAAAAAAAAT4G9DP///wgAAAAAAAAAAAAAAAAAAAAAAAAAAAAAAAAAAAAAZAAAAAEAAABAAAAAAAAAAAAAAAAAAAAAAAAAAAAAAAAAAAAAAAAAAAAAAAAAAAAAAAAAAAAAAAAAAAAAAAAAAAAAAAAAAAAAAAAAAAAAAAAAAAAAAAAAAAAAAAAAAAAAFAAAADwAAAAAAAAAAAAAAAAAAAkUAAAAAQAAABQAAAAUAAAAFAAAAAEAAAAAAAAAZAAAAGQAAAAAAAAAZAAAAGQAAAAVAAAAYAAAAAAAAAAAAAAADwAAACADAAAAAAAAAAAAAAEAAACgMgAAVgcAAKr4//8BAAAAf39/AAEAAABkAAAAAAAAABQAAABAHwAAAAAAACYAAAAAAAAAwOD//wAAAAAmAAAAZAAAABYAAABMAAAAAAAAAAAAAAAEAAAAAAAAAAEAAADu7OEKAAAAACgAAAAoAAAAZAAAAGQAAAAAAAAAzMzMAAAAAABQAAAAUAAAAGQAAABkAAAAAAAAABcAAAAUAAAAAAAAAAAAAAD/fwAA/38AAAAAAAAJAAAABAAAAEEAQQAeAAAAaAAAAAAAAAAAAAAAAAAAAAAAAAAAAAAAECcAABAnAAAAAAAAAAAAAAAAAAAAAAAAAAAAAAAAAAAAAAAAAAAAABQAAAAAAAAAwMD/AAAAAABkAAAAMgAAAAAAAABkAAAAAAAAAH9/fwAKAAAAIgAAABgAAAAAAAAAAAAAAAAAAAAAAAAAAAAAAAAAAAAkAAAAJAAAAAAAAAAHAAAAAAAAAAAAAAAAAAAAAAAAAAAAAAAAAAAAf39/ACUAAABYAAAAAAAAAAAAAAAAAAAAAAAAAAAAAAAAAAAAAAAAAAAAAAAAAAAAAAAAAAAAAAA/AAAAAAAAAKCGAQAAAAAAAAAAAAAAAAAMAAAAAQAAAAAAAAAAAAAAAAAAAB8AAABUAAAAAAAABQAAAAEAAAAAAAAAAAAAAAAAAAAAAAAAAAAAAAAAAAAAAAAAAAAAAAJ/f38AAAAAA8zMzADAwP8Af39/AAAAAAAAAAAAAAAAAAAAAAAAAAAAIQAAABgAAAAUAAAA0AIAANgJAABwNQAAsCUAABAAAAAmAAAACAAAAAAAAAAAAAAA"/>
+                <pr:smNativeData xmlns:pr="smNativeData" xmlns="smNativeData" val="SMDATA_15_0rbXYhMAAAAlAAAAZAAAAA0AAAAAkAAAAEgAAACQAAAASAAAAAAAAAAAAAAAAAAAAAEAAABQAAAAAAAAAAAA4D8AAAAAAADgPwAAAAAAAOA/AAAAAAAA4D8AAAAAAADgPwAAAAAAAOA/AAAAAAAA4D8AAAAAAADgPwAAAAAAAOA/AAAAAAAA4D8CAAAAjAAAAAAAAAAAAAAAT4G9DP///wgAAAAAAAAAAAAAAAAAAAAAAAAAAAAAAAAAAAAAZAAAAAEAAABAAAAAAAAAAAAAAAAAAAAAAAAAAAAAAAAAAAAAAAAAAAAAAAAAAAAAAAAAAAAAAAAAAAAAAAAAAAAAAAAAAAAAAAAAAAAAAAAAAAAAAAAAAAAAAAAAAAAAFAAAADwAAAAAAAAAAAAAAAAAAAkUAAAAAQAAABQAAAAUAAAAFAAAAAEAAAAAAAAAZAAAAGQAAAAAAAAAZAAAAGQAAAAVAAAAYAAAAAAAAAAAAAAADwAAACADAAAAAAAAAAAAAAEAAACgMgAAVgcAAKr4//8BAAAAf39/AAEAAABkAAAAAAAAABQAAABAHwAAAAAAACYAAAAAAAAAwOD//wAAAAAmAAAAZAAAABYAAABMAAAAAAAAAAAAAAAEAAAAAAAAAAEAAADu7OEKAAAAACgAAAAoAAAAZAAAAGQAAAAAAAAAzMzMAAAAAABQAAAAUAAAAGQAAABkAAAAAAAAABcAAAAUAAAAAAAAAAAAAAD/fwAA/38AAAAAAAAJAAAABAAAAEEAQQAeAAAAaAAAAAAAAAAAAAAAAAAAAAAAAAAAAAAAECcAABAnAAAAAAAAAAAAAAAAAAAAAAAAAAAAAAAAAAAAAAAAAAAAABQAAAAAAAAAwMD/AAAAAABkAAAAMgAAAAAAAABkAAAAAAAAAH9/fwAKAAAAIgAAABgAAAAAAAAAAAAAAAAAAAAAAAAAAAAAAAAAAAAkAAAAJAAAAAAAAAAHAAAAAAAAAAAAAAAAAAAAAAAAAAAAAAAAAAAAf39/ACUAAABYAAAAAAAAAAAAAAAAAAAAAAAAAAAAAAAAAAAAAAAAAAAAAAAAAAAAAAAAAAAAAAA/AAAAAAAAAKCGAQAAAAAAAAAAAAAAAAAMAAAAAQAAAAAAAAAAAAAAAAAAAB8AAABUAAAAAAAABQAAAAEAAAAAAAAAAAAAAAAAAAAAAAAAAAAAAAAAAAAAAAAAAAAAAAJ/f38AAAAAA8zMzADAwP8Af39/AAAAAAAAAAAAAAAAAAAAAAAAAAAAIQAAABgAAAAUAAAA0AIAANgJAABwNQAAsCUAABAAAAAmAAAACAAAAAAAAAAAAAAA"/>
               </a:ext>
             </a:extLst>
           </p:cNvSpPr>
@@ -1044,7 +1045,7 @@
             <a:spLocks noGrp="1" noChangeArrowheads="1"/>
             <a:extLst>
               <a:ext uri="smNativeData">
-                <pr:smNativeData xmlns:pr="smNativeData" xmlns="smNativeData" val="SMDATA_15_iunWYhMAAAAlAAAAZAAAAA0AAAAAkAAAAEgAAACQAAAASAAAAAAAAAABAAAAAAAAAAEAAABQAAAAAAAAAAAA4D8AAAAAAADgPwAAAAAAAOA/AAAAAAAA4D8AAAAAAADgPwAAAAAAAOA/AAAAAAAA4D8AAAAAAADgPwAAAAAAAOA/AAAAAAAA4D8CAAAAjAAAAAAAAAAAAAAAT4G9DP///wgAAAAAAAAAAAAAAAAAAAAAAAAAAAAAAAAAAAAAZAAAAAEAAABAAAAAAAAAAAAAAAAAAAAAAAAAAAAAAAAAAAAAAAAAAAAAAAAAAAAAAAAAAAAAAAAAAAAAAAAAAAAAAAAAAAAAAAAAAAAAAAAAAAAAAAAAAAAAAAAAAAAAFAAAADwAAAAAAAAAAAAAAAAAAAkUAAAAAQAAABQAAAAUAAAAFAAAAAEAAAAAAAAAZAAAAGQAAAAAAAAAZAAAAGQAAAAVAAAAYAAAAAAAAAAAAAAADwAAACADAAAAAAAAAAAAAAEAAACgMgAAVgcAAKr4//8BAAAAf39/AAEAAABkAAAAAAAAABQAAABAHwAAAAAAACYAAAAAAAAAwOD//wAAAAAmAAAAZAAAABYAAABMAAAAAAAAAAAAAAAEAAAAAAAAAAEAAADu7OEKAAAAACgAAAAoAAAAZAAAAGQAAAAAAAAAzMzMAAAAAABQAAAAUAAAAGQAAABkAAAAAAAAABcAAAAUAAAAAAAAAAAAAAD/fwAA/38AAAAAAAAJAAAABAAAAAAAAAAeAAAAaAAAAAAAAAAAAAAAAAAAAAAAAAAAAAAAECcAABAnAAAAAAAAAAAAAAAAAAAAAAAAAAAAAAAAAAAAAAAAAAAAABQAAAAAAAAAwMD/AAAAAABkAAAAMgAAAAAAAABkAAAAAAAAAH9/fwAKAAAAIgAAABgAAAAAAAAAAAAAAAAAAAAAAAAAAAAAAAAAAAAkAAAAJAAAAAAAAAAHAAAAAAAAAAAAAAAAAAAAAAAAAAAAAAAAAAAAf39/ACUAAABYAAAAAAAAAAAAAAAAAAAAAAAAAAAAAAAAAAAAAAAAAAAAAAAAAAAAAAAAAAAAAAA/AAAAAAAAAKCGAQAAAAAAAAAAAAAAAAAMAAAAAQAAAAAAAAAAAAAAAAAAAB8AAABUAAAAAAAABQAAAAEAAAAAAAAAAAAAAAAAAAAAAAAAAAAAAAAAAAAAAAAAAAAAAAJ/f38AAAAAA8zMzADAwP8Af39/AAAAAAAAAAAAAAAAAAAAAAAAAAAAIQAAABgAAAAUAAAA0AIAABonAADwDwAAWSkAABAAAAAmAAAACAAAAAAAAAAAAAAA"/>
+                <pr:smNativeData xmlns:pr="smNativeData" xmlns="smNativeData" val="SMDATA_15_0rbXYhMAAAAlAAAAZAAAAA0AAAAAkAAAAEgAAACQAAAASAAAAAAAAAABAAAAAAAAAAEAAABQAAAAAAAAAAAA4D8AAAAAAADgPwAAAAAAAOA/AAAAAAAA4D8AAAAAAADgPwAAAAAAAOA/AAAAAAAA4D8AAAAAAADgPwAAAAAAAOA/AAAAAAAA4D8CAAAAjAAAAAAAAAAAAAAAT4G9DP///wgAAAAAAAAAAAAAAAAAAAAAAAAAAAAAAAAAAAAAZAAAAAEAAABAAAAAAAAAAAAAAAAAAAAAAAAAAAAAAAAAAAAAAAAAAAAAAAAAAAAAAAAAAAAAAAAAAAAAAAAAAAAAAAAAAAAAAAAAAAAAAAAAAAAAAAAAAAAAAAAAAAAAFAAAADwAAAAAAAAAAAAAAAAAAAkUAAAAAQAAABQAAAAUAAAAFAAAAAEAAAAAAAAAZAAAAGQAAAAAAAAAZAAAAGQAAAAVAAAAYAAAAAAAAAAAAAAADwAAACADAAAAAAAAAAAAAAEAAACgMgAAVgcAAKr4//8BAAAAf39/AAEAAABkAAAAAAAAABQAAABAHwAAAAAAACYAAAAAAAAAwOD//wAAAAAmAAAAZAAAABYAAABMAAAAAAAAAAAAAAAEAAAAAAAAAAEAAADu7OEKAAAAACgAAAAoAAAAZAAAAGQAAAAAAAAAzMzMAAAAAABQAAAAUAAAAGQAAABkAAAAAAAAABcAAAAUAAAAAAAAAAAAAAD/fwAA/38AAAAAAAAJAAAABAAAAAAAAAAeAAAAaAAAAAAAAAAAAAAAAAAAAAAAAAAAAAAAECcAABAnAAAAAAAAAAAAAAAAAAAAAAAAAAAAAAAAAAAAAAAAAAAAABQAAAAAAAAAwMD/AAAAAABkAAAAMgAAAAAAAABkAAAAAAAAAH9/fwAKAAAAIgAAABgAAAAAAAAAAAAAAAAAAAAAAAAAAAAAAAAAAAAkAAAAJAAAAAAAAAAHAAAAAAAAAAAAAAAAAAAAAAAAAAAAAAAAAAAAf39/ACUAAABYAAAAAAAAAAAAAAAAAAAAAAAAAAAAAAAAAAAAAAAAAAAAAAAAAAAAAAAAAAAAAAA/AAAAAAAAAKCGAQAAAAAAAAAAAAAAAAAMAAAAAQAAAAAAAAAAAAAAAAAAAB8AAABUAAAAAAAABQAAAAEAAAAAAAAAAAAAAAAAAAAAAAAAAAAAAAAAAAAAAAAAAAAAAAJ/f38AAAAAA8zMzADAwP8Af39/AAAAAAAAAAAAAAAAAAAAAAAAAAAAIQAAABgAAAAUAAAA0AIAABonAADwDwAAWSkAABAAAAAmAAAACAAAAAAAAAAAAAAA"/>
               </a:ext>
             </a:extLst>
           </p:cNvSpPr>
@@ -1060,7 +1061,7 @@
             <a:pPr>
               <a:defRPr lang="fr-fr"/>
             </a:pPr>
-            <a:fld id="{690A0869-2784-5FFE-CAB2-D1AB46FC3C84}" type="datetime1">
+            <a:fld id="{1E4436DE-90F3-11C0-BDFC-669578B24B33}" type="datetime1">
               <a:t/>
             </a:fld>
           </a:p>
@@ -1073,7 +1074,7 @@
             <a:spLocks noGrp="1" noChangeArrowheads="1"/>
             <a:extLst>
               <a:ext uri="smNativeData">
-                <pr:smNativeData xmlns:pr="smNativeData" xmlns="smNativeData" val="SMDATA_15_iunWYhMAAAAlAAAAZAAAAA0AAAAAkAAAAEgAAACQAAAASAAAAAAAAAABAAAAAAAAAAEAAABQAAAAAAAAAAAA4D8AAAAAAADgPwAAAAAAAOA/AAAAAAAA4D8AAAAAAADgPwAAAAAAAOA/AAAAAAAA4D8AAAAAAADgPwAAAAAAAOA/AAAAAAAA4D8CAAAAjAAAAAAAAAAAAAAAT4G9DP///wgAAAAAAAAAAAAAAAAAAAAAAAAAAAAAAAAAAAAAZAAAAAEAAABAAAAAAAAAAAAAAAAAAAAAAAAAAAAAAAAAAAAAAAAAAAAAAAAAAAAAAAAAAAAAAAAAAAAAAAAAAAAAAAAAAAAAAAAAAAAAAAAAAAAAAAAAAAAAAAAAAAAAFAAAADwAAAAAAAAAAAAAAAAAAAkUAAAAAQAAABQAAAAUAAAAFAAAAAEAAAAAAAAAZAAAAGQAAAAAAAAAZAAAAGQAAAAVAAAAYAAAAAAAAAAAAAAADwAAACADAAAAAAAAAAAAAAEAAACgMgAAVgcAAKr4//8BAAAAf39/AAEAAABkAAAAAAAAABQAAABAHwAAAAAAACYAAAAAAAAAwOD//wAAAAAmAAAAZAAAABYAAABMAAAAAAAAAAAAAAAEAAAAAAAAAAEAAADu7OEKAAAAACgAAAAoAAAAZAAAAGQAAAAAAAAAzMzMAAAAAABQAAAAUAAAAGQAAABkAAAAAAAAABcAAAAUAAAAAAAAAAAAAAD/fwAA/38AAAAAAAAJAAAABAAAAAAAAAAeAAAAaAAAAAAAAAAAAAAAAAAAAAAAAAAAAAAAECcAABAnAAAAAAAAAAAAAAAAAAAAAAAAAAAAAAAAAAAAAAAAAAAAABQAAAAAAAAAwMD/AAAAAABkAAAAMgAAAAAAAABkAAAAAAAAAH9/fwAKAAAAIgAAABgAAAAAAAAAAAAAAAAAAAAAAAAAAAAAAAAAAAAkAAAAJAAAAAAAAAAHAAAAAAAAAAAAAAAAAAAAAAAAAAAAAAAAAAAAf39/ACUAAABYAAAAAAAAAAAAAAAAAAAAAAAAAAAAAAAAAAAAAAAAAAAAAAAAAAAAAAAAAAAAAAA/AAAAAAAAAKCGAQAAAAAAAAAAAAAAAAAMAAAAAQAAAAAAAAAAAAAAAAAAAB8AAABUAAAAAAAABQAAAAEAAAAAAAAAAAAAAAAAAAAAAAAAAAAAAAAAAAAAAAAAAAAAAAJ/f38AAAAAA8zMzADAwP8Af39/AAAAAAAAAAAAAAAAAAAAAAAAAAAAIQAAABgAAAAUAAAAOBMAABonAAAIJQAAWSkAABAAAAAmAAAACAAAAAAAAAAAAAAA"/>
+                <pr:smNativeData xmlns:pr="smNativeData" xmlns="smNativeData" val="SMDATA_15_0rbXYhMAAAAlAAAAZAAAAA0AAAAAkAAAAEgAAACQAAAASAAAAAAAAAABAAAAAAAAAAEAAABQAAAAAAAAAAAA4D8AAAAAAADgPwAAAAAAAOA/AAAAAAAA4D8AAAAAAADgPwAAAAAAAOA/AAAAAAAA4D8AAAAAAADgPwAAAAAAAOA/AAAAAAAA4D8CAAAAjAAAAAAAAAAAAAAAT4G9DP///wgAAAAAAAAAAAAAAAAAAAAAAAAAAAAAAAAAAAAAZAAAAAEAAABAAAAAAAAAAAAAAAAAAAAAAAAAAAAAAAAAAAAAAAAAAAAAAAAAAAAAAAAAAAAAAAAAAAAAAAAAAAAAAAAAAAAAAAAAAAAAAAAAAAAAAAAAAAAAAAAAAAAAFAAAADwAAAAAAAAAAAAAAAAAAAkUAAAAAQAAABQAAAAUAAAAFAAAAAEAAAAAAAAAZAAAAGQAAAAAAAAAZAAAAGQAAAAVAAAAYAAAAAAAAAAAAAAADwAAACADAAAAAAAAAAAAAAEAAACgMgAAVgcAAKr4//8BAAAAf39/AAEAAABkAAAAAAAAABQAAABAHwAAAAAAACYAAAAAAAAAwOD//wAAAAAmAAAAZAAAABYAAABMAAAAAAAAAAAAAAAEAAAAAAAAAAEAAADu7OEKAAAAACgAAAAoAAAAZAAAAGQAAAAAAAAAzMzMAAAAAABQAAAAUAAAAGQAAABkAAAAAAAAABcAAAAUAAAAAAAAAAAAAAD/fwAA/38AAAAAAAAJAAAABAAAAAAAAAAeAAAAaAAAAAAAAAAAAAAAAAAAAAAAAAAAAAAAECcAABAnAAAAAAAAAAAAAAAAAAAAAAAAAAAAAAAAAAAAAAAAAAAAABQAAAAAAAAAwMD/AAAAAABkAAAAMgAAAAAAAABkAAAAAAAAAH9/fwAKAAAAIgAAABgAAAAAAAAAAAAAAAAAAAAAAAAAAAAAAAAAAAAkAAAAJAAAAAAAAAAHAAAAAAAAAAAAAAAAAAAAAAAAAAAAAAAAAAAAf39/ACUAAABYAAAAAAAAAAAAAAAAAAAAAAAAAAAAAAAAAAAAAAAAAAAAAAAAAAAAAAAAAAAAAAA/AAAAAAAAAKCGAQAAAAAAAAAAAAAAAAAMAAAAAQAAAAAAAAAAAAAAAAAAAB8AAABUAAAAAAAABQAAAAEAAAAAAAAAAAAAAAAAAAAAAAAAAAAAAAAAAAAAAAAAAAAAAAJ/f38AAAAAA8zMzADAwP8Af39/AAAAAAAAAAAAAAAAAAAAAAAAAAAAIQAAABgAAAAUAAAAOBMAABonAAAIJQAAWSkAABAAAAAmAAAACAAAAAAAAAAAAAAA"/>
               </a:ext>
             </a:extLst>
           </p:cNvSpPr>
@@ -1099,7 +1100,7 @@
             <a:spLocks noGrp="1" noChangeArrowheads="1"/>
             <a:extLst>
               <a:ext uri="smNativeData">
-                <pr:smNativeData xmlns:pr="smNativeData" xmlns="smNativeData" val="SMDATA_15_iunWYhMAAAAlAAAAZAAAAA0AAAAAkAAAAEgAAACQAAAASAAAAAAAAAABAAAAAAAAAAEAAABQAAAAAAAAAAAA4D8AAAAAAADgPwAAAAAAAOA/AAAAAAAA4D8AAAAAAADgPwAAAAAAAOA/AAAAAAAA4D8AAAAAAADgPwAAAAAAAOA/AAAAAAAA4D8CAAAAjAAAAAAAAAAAAAAAT4G9DP///wgAAAAAAAAAAAAAAAAAAAAAAAAAAAAAAAAAAAAAZAAAAAEAAABAAAAAAAAAAAAAAAAAAAAAAAAAAAAAAAAAAAAAAAAAAAAAAAAAAAAAAAAAAAAAAAAAAAAAAAAAAAAAAAAAAAAAAAAAAAAAAAAAAAAAAAAAAAAAAAAAAAAAFAAAADwAAAAAAAAAAAAAAAAAAAkUAAAAAQAAABQAAAAUAAAAFAAAAAEAAAAAAAAAZAAAAGQAAAAAAAAAZAAAAGQAAAAVAAAAYAAAAAAAAAAAAAAADwAAACADAAAAAAAAAAAAAAEAAACgMgAAVgcAAKr4//8BAAAAf39/AAEAAABkAAAAAAAAABQAAABAHwAAAAAAACYAAAAAAAAAwOD//wAAAAAmAAAAZAAAABYAAABMAAAAAAAAAAAAAAAEAAAAAAAAAAEAAADu7OEKAAAAACgAAAAoAAAAZAAAAGQAAAAAAAAAzMzMAAAAAABQAAAAUAAAAGQAAABkAAAAAAAAABcAAAAUAAAAAAAAAAAAAAD/fwAA/38AAAAAAAAJAAAABAAAAHDiWBoeAAAAaAAAAAAAAAAAAAAAAAAAAAAAAAAAAAAAECcAABAnAAAAAAAAAAAAAAAAAAAAAAAAAAAAAAAAAAAAAAAAAAAAABQAAAAAAAAAwMD/AAAAAABkAAAAMgAAAAAAAABkAAAAAAAAAH9/fwAKAAAAIgAAABgAAAAAAAAAAAAAAAAAAAAAAAAAAAAAAAAAAAAkAAAAJAAAAAAAAAAHAAAAAAAAAAAAAAAAAAAAAAAAAAAAAAAAAAAAf39/ACUAAABYAAAAAAAAAAAAAAAAAAAAAAAAAAAAAAAAAAAAAAAAAAAAAAAAAAAAAAAAAAAAAAA/AAAAAAAAAKCGAQAAAAAAAAAAAAAAAAAMAAAAAQAAAAAAAAAAAAAAAAAAAB8AAABUAAAAAAAABQAAAAEAAAAAAAAAAAAAAAAAAAAAAAAAAAAAAAAAAAAAAAAAAAAAAAJ/f38AAAAAA8zMzADAwP8Af39/AAAAAAAAAAAAAAAAAAAAAAAAAAAAIQAAABgAAAAUAAAAUCgAABonAABwNQAAWSkAABAAAAAmAAAACAAAAAAAAAAAAAAA"/>
+                <pr:smNativeData xmlns:pr="smNativeData" xmlns="smNativeData" val="SMDATA_15_0rbXYhMAAAAlAAAAZAAAAA0AAAAAkAAAAEgAAACQAAAASAAAAAAAAAABAAAAAAAAAAEAAABQAAAAAAAAAAAA4D8AAAAAAADgPwAAAAAAAOA/AAAAAAAA4D8AAAAAAADgPwAAAAAAAOA/AAAAAAAA4D8AAAAAAADgPwAAAAAAAOA/AAAAAAAA4D8CAAAAjAAAAAAAAAAAAAAAT4G9DP///wgAAAAAAAAAAAAAAAAAAAAAAAAAAAAAAAAAAAAAZAAAAAEAAABAAAAAAAAAAAAAAAAAAAAAAAAAAAAAAAAAAAAAAAAAAAAAAAAAAAAAAAAAAAAAAAAAAAAAAAAAAAAAAAAAAAAAAAAAAAAAAAAAAAAAAAAAAAAAAAAAAAAAFAAAADwAAAAAAAAAAAAAAAAAAAkUAAAAAQAAABQAAAAUAAAAFAAAAAEAAAAAAAAAZAAAAGQAAAAAAAAAZAAAAGQAAAAVAAAAYAAAAAAAAAAAAAAADwAAACADAAAAAAAAAAAAAAEAAACgMgAAVgcAAKr4//8BAAAAf39/AAEAAABkAAAAAAAAABQAAABAHwAAAAAAACYAAAAAAAAAwOD//wAAAAAmAAAAZAAAABYAAABMAAAAAAAAAAAAAAAEAAAAAAAAAAEAAADu7OEKAAAAACgAAAAoAAAAZAAAAGQAAAAAAAAAzMzMAAAAAABQAAAAUAAAAGQAAABkAAAAAAAAABcAAAAUAAAAAAAAAAAAAAD/fwAA/38AAAAAAAAJAAAABAAAAHDiWBoeAAAAaAAAAAAAAAAAAAAAAAAAAAAAAAAAAAAAECcAABAnAAAAAAAAAAAAAAAAAAAAAAAAAAAAAAAAAAAAAAAAAAAAABQAAAAAAAAAwMD/AAAAAABkAAAAMgAAAAAAAABkAAAAAAAAAH9/fwAKAAAAIgAAABgAAAAAAAAAAAAAAAAAAAAAAAAAAAAAAAAAAAAkAAAAJAAAAAAAAAAHAAAAAAAAAAAAAAAAAAAAAAAAAAAAAAAAAAAAf39/ACUAAABYAAAAAAAAAAAAAAAAAAAAAAAAAAAAAAAAAAAAAAAAAAAAAAAAAAAAAAAAAAAAAAA/AAAAAAAAAKCGAQAAAAAAAAAAAAAAAAAMAAAAAQAAAAAAAAAAAAAAAAAAAB8AAABUAAAAAAAABQAAAAEAAAAAAAAAAAAAAAAAAAAAAAAAAAAAAAAAAAAAAAAAAAAAAAJ/f38AAAAAA8zMzADAwP8Af39/AAAAAAAAAAAAAAAAAAAAAAAAAAAAIQAAABgAAAAUAAAAUCgAABonAABwNQAAWSkAABAAAAAmAAAACAAAAAAAAAAAAAAA"/>
               </a:ext>
             </a:extLst>
           </p:cNvSpPr>
@@ -1115,7 +1116,7 @@
             <a:pPr>
               <a:defRPr lang="fr-fr"/>
             </a:pPr>
-            <a:fld id="{2F1BAC49-07C2-4E5A-8CA3-F10FE2ED7AA4}" type="slidenum">
+            <a:fld id="{6E90D800-4E83-C52E-CD28-B87B96663BED}" type="slidenum">
               <a:t/>
             </a:fld>
           </a:p>
@@ -1154,7 +1155,7 @@
             <a:spLocks noGrp="1" noChangeArrowheads="1"/>
             <a:extLst>
               <a:ext uri="smNativeData">
-                <pr:smNativeData xmlns:pr="smNativeData" xmlns="smNativeData" val="SMDATA_15_iunWYhMAAAAlAAAAZAAAAA0AAAAAkAAAAEgAAACQAAAASAAAAAAAAAAAAAAAAAAAAAEAAABQAAAAAAAAAAAA4D8AAAAAAADgPwAAAAAAAOA/AAAAAAAA4D8AAAAAAADgPwAAAAAAAOA/AAAAAAAA4D8AAAAAAADgPwAAAAAAAOA/AAAAAAAA4D8CAAAAjAAAAAAAAAAAAAAAT4G9DP///wgAAAAAAAAAAAAAAAAAAAAAAAAAAAAAAAAAAAAAZAAAAAEAAABAAAAAAAAAAAAAAAAAAAAAAAAAAAAAAAAAAAAAAAAAAAAAAAAAAAAAAAAAAAAAAAAAAAAAAAAAAAAAAAAAAAAAAAAAAAAAAAAAAAAAAAAAAAAAAAAAAAAAFAAAADwAAAAAAAAAAAAAAAAAAAkUAAAAAQAAABQAAAAUAAAAFAAAAAEAAAAAAAAAZAAAAGQAAAAAAAAAZAAAAGQAAAAVAAAAYAAAAAAAAAAAAAAADwAAACADAAAAAAAAAAAAAAEAAACgMgAAVgcAAKr4//8BAAAAf39/AAEAAABkAAAAAAAAABQAAABAHwAAAAAAACYAAAAAAAAAwOD//wAAAAAmAAAAZAAAABYAAABMAAAAAAAAAAAAAAAEAAAAAAAAAAEAAADu7OEKAAAAACgAAAAoAAAAZAAAAGQAAAAAAAAAzMzMAAAAAABQAAAAUAAAAGQAAABkAAAAAAAAABcAAAAUAAAAAAAAAAAAAAD/fwAA/38AAAAAAAAJAAAABAAAAD7o2aweAAAAaAAAAAAAAAAAAAAAAAAAAAAAAAAAAAAAECcAABAnAAAAAAAAAAAAAAAAAAAAAAAAAAAAAAAAAAAAAAAAAAAAABQAAAAAAAAAwMD/AAAAAABkAAAAMgAAAAAAAABkAAAAAAAAAH9/fwAKAAAAIgAAABgAAAAAAAAAAAAAAAAAAAAAAAAAAAAAAAAAAAAkAAAAJAAAAAAAAAAHAAAAAAAAAAAAAAAAAAAAAAAAAAAAAAAAAAAAf39/ACUAAABYAAAAAAAAAAAAAAAAAAAAAAAAAAAAAAAAAAAAAAAAAAAAAAAAAAAAAAAAAAAAAAA/AAAAAAAAAKCGAQAAAAAAAAAAAAAAAAAMAAAAAQAAAAAAAAAAAAAAAAAAAB8AAABUAAAAAAAABQAAAAEAAAAAAAAAAAAAAAAAAAAAAAAAAAAAAAAAAAAAAAAAAAAAAAJ/f38AAAAAA8zMzADAwP8Af39/AAAAAAAAAAAAAAAAAAAAAAAAAAAAIQAAABgAAAAUAAAAcgQAABwbAABCNAAAfSMAABAAAAAmAAAACAAAAIGAAAAAAAAA"/>
+                <pr:smNativeData xmlns:pr="smNativeData" xmlns="smNativeData" val="SMDATA_15_0rbXYhMAAAAlAAAAZAAAAA0AAAAAkAAAAEgAAACQAAAASAAAAAAAAAAAAAAAAAAAAAEAAABQAAAAAAAAAAAA4D8AAAAAAADgPwAAAAAAAOA/AAAAAAAA4D8AAAAAAADgPwAAAAAAAOA/AAAAAAAA4D8AAAAAAADgPwAAAAAAAOA/AAAAAAAA4D8CAAAAjAAAAAAAAAAAAAAAT4G9DP///wgAAAAAAAAAAAAAAAAAAAAAAAAAAAAAAAAAAAAAZAAAAAEAAABAAAAAAAAAAAAAAAAAAAAAAAAAAAAAAAAAAAAAAAAAAAAAAAAAAAAAAAAAAAAAAAAAAAAAAAAAAAAAAAAAAAAAAAAAAAAAAAAAAAAAAAAAAAAAAAAAAAAAFAAAADwAAAAAAAAAAAAAAAAAAAkUAAAAAQAAABQAAAAUAAAAFAAAAAEAAAAAAAAAZAAAAGQAAAAAAAAAZAAAAGQAAAAVAAAAYAAAAAAAAAAAAAAADwAAACADAAAAAAAAAAAAAAEAAACgMgAAVgcAAKr4//8BAAAAf39/AAEAAABkAAAAAAAAABQAAABAHwAAAAAAACYAAAAAAAAAwOD//wAAAAAmAAAAZAAAABYAAABMAAAAAAAAAAAAAAAEAAAAAAAAAAEAAADu7OEKAAAAACgAAAAoAAAAZAAAAGQAAAAAAAAAzMzMAAAAAABQAAAAUAAAAGQAAABkAAAAAAAAABcAAAAUAAAAAAAAAAAAAAD/fwAA/38AAAAAAAAJAAAABAAAAD7o2aweAAAAaAAAAAAAAAAAAAAAAAAAAAAAAAAAAAAAECcAABAnAAAAAAAAAAAAAAAAAAAAAAAAAAAAAAAAAAAAAAAAAAAAABQAAAAAAAAAwMD/AAAAAABkAAAAMgAAAAAAAABkAAAAAAAAAH9/fwAKAAAAIgAAABgAAAAAAAAAAAAAAAAAAAAAAAAAAAAAAAAAAAAkAAAAJAAAAAAAAAAHAAAAAAAAAAAAAAAAAAAAAAAAAAAAAAAAAAAAf39/ACUAAABYAAAAAAAAAAAAAAAAAAAAAAAAAAAAAAAAAAAAAAAAAAAAAAAAAAAAAAAAAAAAAAA/AAAAAAAAAKCGAQAAAAAAAAAAAAAAAAAMAAAAAQAAAAAAAAAAAAAAAAAAAB8AAABUAAAAAAAABQAAAAEAAAAAAAAAAAAAAAAAAAAAAAAAAAAAAAAAAAAAAAAAAAAAAAJ/f38AAAAAA8zMzADAwP8Af39/AAAAAAAAAAAAAAAAAAAAAAAAAAAAIQAAABgAAAAUAAAAcgQAABwbAABCNAAAfSMAABAAAAAmAAAACAAAAIGAAAAAAAAA"/>
               </a:ext>
             </a:extLst>
           </p:cNvSpPr>
@@ -1220,7 +1221,7 @@
             <a:spLocks noGrp="1" noChangeArrowheads="1"/>
             <a:extLst>
               <a:ext uri="smNativeData">
-                <pr:smNativeData xmlns:pr="smNativeData" xmlns="smNativeData" val="SMDATA_15_iunWYhMAAAAlAAAAZAAAAA0AAAAAkAAAAEgAAACQAAAASAAAAAAAAAACAAAAAAAAAAEAAABQAAAAAAAAAAAA4D8AAAAAAADgPwAAAAAAAOA/AAAAAAAA4D8AAAAAAADgPwAAAAAAAOA/AAAAAAAA4D8AAAAAAADgPwAAAAAAAOA/AAAAAAAA4D8CAAAAjAAAAAAAAAAAAAAAT4G9DP///wgAAAAAAAAAAAAAAAAAAAAAAAAAAAAAAAAAAAAAZAAAAAEAAABAAAAAAAAAAAAAAAAAAAAAAAAAAAAAAAAAAAAAAAAAAAAAAAAAAAAAAAAAAAAAAAAAAAAAAAAAAAAAAAAAAAAAAAAAAAAAAAAAAAAAAAAAAAAAAAAAAAAAFAAAADwAAAAAAAAAAAAAAAAAAAkUAAAAAQAAABQAAAAUAAAAFAAAAAEAAAAAAAAAZAAAAGQAAAAAAAAAZAAAAGQAAAAVAAAAYAAAAAAAAAAAAAAADwAAACADAAAAAAAAAAAAAAEAAACgMgAAVgcAAKr4//8BAAAAf39/AAEAAABkAAAAAAAAABQAAABAHwAAAAAAACYAAAAAAAAAwOD//wAAAAAmAAAAZAAAABYAAABMAAAAAAAAAAAAAAAEAAAAAAAAAAEAAADu7OEKAAAAACgAAAAoAAAAZAAAAGQAAAAAAAAAzMzMAAAAAABQAAAAUAAAAGQAAABkAAAAAAAAABcAAAAUAAAAAAAAAAAAAAD/fwAA/38AAAAAAAAJAAAABAAAAD7o2aweAAAAaAAAAAAAAAAAAAAAAAAAAAAAAAAAAAAAECcAABAnAAAAAAAAAAAAAAAAAAAAAAAAAAAAAAAAAAAAAAAAAAAAABQAAAAAAAAAwMD/AAAAAABkAAAAMgAAAAAAAABkAAAAAAAAAH9/fwAKAAAAIgAAABgAAAAAAAAAAAAAAAAAAAAAAAAAAAAAAAAAAAAkAAAAJAAAAAAAAAAHAAAAAAAAAAAAAAAAAAAAAAAAAAAAAAAAAAAAf39/ACUAAABYAAAAAAAAAAAAAAAAAAAAAAAAAAAAAAAAAAAAAAAAAAAAAAAAAAAAAAAAAAAAAAA/AAAAAAAAAKCGAQAAAAAAAAAAAAAAAAAMAAAAAQAAAAAAAAAAAAAAAAAAAB8AAABUAAAAAAAABQAAAAEAAAAAAAAAAAAAAAAAAAAAAAAAAAAAAAAAAAAAAAAAAAAAAAJ/f38AAAAAA8zMzADAwP8Af39/AAAAAAAAAAAAAAAAAAAAAAAAAAAAIQAAABgAAAAUAAAAcgQAAOIRAABCNAAAHBsAABAAAAAmAAAACAAAAIGAAAAAAAAA"/>
+                <pr:smNativeData xmlns:pr="smNativeData" xmlns="smNativeData" val="SMDATA_15_0rbXYhMAAAAlAAAAZAAAAA0AAAAAkAAAAEgAAACQAAAASAAAAAAAAAACAAAAAAAAAAEAAABQAAAAAAAAAAAA4D8AAAAAAADgPwAAAAAAAOA/AAAAAAAA4D8AAAAAAADgPwAAAAAAAOA/AAAAAAAA4D8AAAAAAADgPwAAAAAAAOA/AAAAAAAA4D8CAAAAjAAAAAAAAAAAAAAAT4G9DP///wgAAAAAAAAAAAAAAAAAAAAAAAAAAAAAAAAAAAAAZAAAAAEAAABAAAAAAAAAAAAAAAAAAAAAAAAAAAAAAAAAAAAAAAAAAAAAAAAAAAAAAAAAAAAAAAAAAAAAAAAAAAAAAAAAAAAAAAAAAAAAAAAAAAAAAAAAAAAAAAAAAAAAFAAAADwAAAAAAAAAAAAAAAAAAAkUAAAAAQAAABQAAAAUAAAAFAAAAAEAAAAAAAAAZAAAAGQAAAAAAAAAZAAAAGQAAAAVAAAAYAAAAAAAAAAAAAAADwAAACADAAAAAAAAAAAAAAEAAACgMgAAVgcAAKr4//8BAAAAf39/AAEAAABkAAAAAAAAABQAAABAHwAAAAAAACYAAAAAAAAAwOD//wAAAAAmAAAAZAAAABYAAABMAAAAAAAAAAAAAAAEAAAAAAAAAAEAAADu7OEKAAAAACgAAAAoAAAAZAAAAGQAAAAAAAAAzMzMAAAAAABQAAAAUAAAAGQAAABkAAAAAAAAABcAAAAUAAAAAAAAAAAAAAD/fwAA/38AAAAAAAAJAAAABAAAAD7o2aweAAAAaAAAAAAAAAAAAAAAAAAAAAAAAAAAAAAAECcAABAnAAAAAAAAAAAAAAAAAAAAAAAAAAAAAAAAAAAAAAAAAAAAABQAAAAAAAAAwMD/AAAAAABkAAAAMgAAAAAAAABkAAAAAAAAAH9/fwAKAAAAIgAAABgAAAAAAAAAAAAAAAAAAAAAAAAAAAAAAAAAAAAkAAAAJAAAAAAAAAAHAAAAAAAAAAAAAAAAAAAAAAAAAAAAAAAAAAAAf39/ACUAAABYAAAAAAAAAAAAAAAAAAAAAAAAAAAAAAAAAAAAAAAAAAAAAAAAAAAAAAAAAAAAAAA/AAAAAAAAAKCGAQAAAAAAAAAAAAAAAAAMAAAAAQAAAAAAAAAAAAAAAAAAAB8AAABUAAAAAAAABQAAAAEAAAAAAAAAAAAAAAAAAAAAAAAAAAAAAAAAAAAAAAAAAAAAAAJ/f38AAAAAA8zMzADAwP8Af39/AAAAAAAAAAAAAAAAAAAAAAAAAAAAIQAAABgAAAAUAAAAcgQAAOIRAABCNAAAHBsAABAAAAAmAAAACAAAAIGAAAAAAAAA"/>
               </a:ext>
             </a:extLst>
           </p:cNvSpPr>
@@ -1331,7 +1332,7 @@
             <a:spLocks noGrp="1" noChangeArrowheads="1"/>
             <a:extLst>
               <a:ext uri="smNativeData">
-                <pr:smNativeData xmlns:pr="smNativeData" xmlns="smNativeData" val="SMDATA_15_iunWYhMAAAAlAAAAZAAAAA0AAAAAkAAAAEgAAACQAAAASAAAAAAAAAABAAAAAAAAAAEAAABQAAAAAAAAAAAA4D8AAAAAAADgPwAAAAAAAOA/AAAAAAAA4D8AAAAAAADgPwAAAAAAAOA/AAAAAAAA4D8AAAAAAADgPwAAAAAAAOA/AAAAAAAA4D8CAAAAjAAAAAAAAAAAAAAAT4G9DP///wgAAAAAAAAAAAAAAAAAAAAAAAAAAAAAAAAAAAAAZAAAAAEAAABAAAAAAAAAAAAAAAAAAAAAAAAAAAAAAAAAAAAAAAAAAAAAAAAAAAAAAAAAAAAAAAAAAAAAAAAAAAAAAAAAAAAAAAAAAAAAAAAAAAAAAAAAAAAAAAAAAAAAFAAAADwAAAAAAAAAAAAAAAAAAAkUAAAAAQAAABQAAAAUAAAAFAAAAAEAAAAAAAAAZAAAAGQAAAAAAAAAZAAAAGQAAAAVAAAAYAAAAAAAAAAAAAAADwAAACADAAAAAAAAAAAAAAEAAACgMgAAVgcAAKr4//8BAAAAf39/AAEAAABkAAAAAAAAABQAAABAHwAAAAAAACYAAAAAAAAAwOD//wAAAAAmAAAAZAAAABYAAABMAAAAAAAAAAAAAAAEAAAAAAAAAAEAAADu7OEKAAAAACgAAAAoAAAAZAAAAGQAAAAAAAAAzMzMAAAAAABQAAAAUAAAAGQAAABkAAAAAAAAABcAAAAUAAAAAAAAAAAAAAD/fwAA/38AAAAAAAAJAAAABAAAAAAAAAAeAAAAaAAAAAAAAAAAAAAAAAAAAAAAAAAAAAAAECcAABAnAAAAAAAAAAAAAAAAAAAAAAAAAAAAAAAAAAAAAAAAAAAAABQAAAAAAAAAwMD/AAAAAABkAAAAMgAAAAAAAABkAAAAAAAAAH9/fwAKAAAAIgAAABgAAAAAAAAAAAAAAAAAAAAAAAAAAAAAAAAAAAAkAAAAJAAAAAAAAAAHAAAAAAAAAAAAAAAAAAAAAAAAAAAAAAAAAAAAf39/ACUAAABYAAAAAAAAAAAAAAAAAAAAAAAAAAAAAAAAAAAAAAAAAAAAAAAAAAAAAAAAAAAAAAA/AAAAAAAAAKCGAQAAAAAAAAAAAAAAAAAMAAAAAQAAAAAAAAAAAAAAAAAAAB8AAABUAAAAAAAABQAAAAEAAAAAAAAAAAAAAAAAAAAAAAAAAAAAAAAAAAAAAAAAAAAAAAJ/f38AAAAAA8zMzADAwP8Af39/AAAAAAAAAAAAAAAAAAAAAAAAAAAAIQAAABgAAAAUAAAA0AIAABonAADwDwAAWSkAABAAAAAmAAAACAAAAAAAAAAAAAAA"/>
+                <pr:smNativeData xmlns:pr="smNativeData" xmlns="smNativeData" val="SMDATA_15_0rbXYhMAAAAlAAAAZAAAAA0AAAAAkAAAAEgAAACQAAAASAAAAAAAAAABAAAAAAAAAAEAAABQAAAAAAAAAAAA4D8AAAAAAADgPwAAAAAAAOA/AAAAAAAA4D8AAAAAAADgPwAAAAAAAOA/AAAAAAAA4D8AAAAAAADgPwAAAAAAAOA/AAAAAAAA4D8CAAAAjAAAAAAAAAAAAAAAT4G9DP///wgAAAAAAAAAAAAAAAAAAAAAAAAAAAAAAAAAAAAAZAAAAAEAAABAAAAAAAAAAAAAAAAAAAAAAAAAAAAAAAAAAAAAAAAAAAAAAAAAAAAAAAAAAAAAAAAAAAAAAAAAAAAAAAAAAAAAAAAAAAAAAAAAAAAAAAAAAAAAAAAAAAAAFAAAADwAAAAAAAAAAAAAAAAAAAkUAAAAAQAAABQAAAAUAAAAFAAAAAEAAAAAAAAAZAAAAGQAAAAAAAAAZAAAAGQAAAAVAAAAYAAAAAAAAAAAAAAADwAAACADAAAAAAAAAAAAAAEAAACgMgAAVgcAAKr4//8BAAAAf39/AAEAAABkAAAAAAAAABQAAABAHwAAAAAAACYAAAAAAAAAwOD//wAAAAAmAAAAZAAAABYAAABMAAAAAAAAAAAAAAAEAAAAAAAAAAEAAADu7OEKAAAAACgAAAAoAAAAZAAAAGQAAAAAAAAAzMzMAAAAAABQAAAAUAAAAGQAAABkAAAAAAAAABcAAAAUAAAAAAAAAAAAAAD/fwAA/38AAAAAAAAJAAAABAAAAAAAAAAeAAAAaAAAAAAAAAAAAAAAAAAAAAAAAAAAAAAAECcAABAnAAAAAAAAAAAAAAAAAAAAAAAAAAAAAAAAAAAAAAAAAAAAABQAAAAAAAAAwMD/AAAAAABkAAAAMgAAAAAAAABkAAAAAAAAAH9/fwAKAAAAIgAAABgAAAAAAAAAAAAAAAAAAAAAAAAAAAAAAAAAAAAkAAAAJAAAAAAAAAAHAAAAAAAAAAAAAAAAAAAAAAAAAAAAAAAAAAAAf39/ACUAAABYAAAAAAAAAAAAAAAAAAAAAAAAAAAAAAAAAAAAAAAAAAAAAAAAAAAAAAAAAAAAAAA/AAAAAAAAAKCGAQAAAAAAAAAAAAAAAAAMAAAAAQAAAAAAAAAAAAAAAAAAAB8AAABUAAAAAAAABQAAAAEAAAAAAAAAAAAAAAAAAAAAAAAAAAAAAAAAAAAAAAAAAAAAAAJ/f38AAAAAA8zMzADAwP8Af39/AAAAAAAAAAAAAAAAAAAAAAAAAAAAIQAAABgAAAAUAAAA0AIAABonAADwDwAAWSkAABAAAAAmAAAACAAAAAAAAAAAAAAA"/>
               </a:ext>
             </a:extLst>
           </p:cNvSpPr>
@@ -1347,7 +1348,7 @@
             <a:pPr>
               <a:defRPr lang="fr-fr"/>
             </a:pPr>
-            <a:fld id="{7189909B-D59C-DC66-D231-2333DE7F2476}" type="datetime1">
+            <a:fld id="{57174F64-2ABA-42B9-F4AF-DCEC01E10289}" type="datetime1">
               <a:t>1/04/15</a:t>
             </a:fld>
           </a:p>
@@ -1360,7 +1361,7 @@
             <a:spLocks noGrp="1" noChangeArrowheads="1"/>
             <a:extLst>
               <a:ext uri="smNativeData">
-                <pr:smNativeData xmlns:pr="smNativeData" xmlns="smNativeData" val="SMDATA_15_iunWYhMAAAAlAAAAZAAAAA0AAAAAkAAAAEgAAACQAAAASAAAAAAAAAABAAAAAAAAAAEAAABQAAAAAAAAAAAA4D8AAAAAAADgPwAAAAAAAOA/AAAAAAAA4D8AAAAAAADgPwAAAAAAAOA/AAAAAAAA4D8AAAAAAADgPwAAAAAAAOA/AAAAAAAA4D8CAAAAjAAAAAAAAAAAAAAAT4G9DP///wgAAAAAAAAAAAAAAAAAAAAAAAAAAAAAAAAAAAAAZAAAAAEAAABAAAAAAAAAAAAAAAAAAAAAAAAAAAAAAAAAAAAAAAAAAAAAAAAAAAAAAAAAAAAAAAAAAAAAAAAAAAAAAAAAAAAAAAAAAAAAAAAAAAAAAAAAAAAAAAAAAAAAFAAAADwAAAAAAAAAAAAAAAAAAAkUAAAAAQAAABQAAAAUAAAAFAAAAAEAAAAAAAAAZAAAAGQAAAAAAAAAZAAAAGQAAAAVAAAAYAAAAAAAAAAAAAAADwAAACADAAAAAAAAAAAAAAEAAACgMgAAVgcAAKr4//8BAAAAf39/AAEAAABkAAAAAAAAABQAAABAHwAAAAAAACYAAAAAAAAAwOD//wAAAAAmAAAAZAAAABYAAABMAAAAAAAAAAAAAAAEAAAAAAAAAAEAAADu7OEKAAAAACgAAAAoAAAAZAAAAGQAAAAAAAAAzMzMAAAAAABQAAAAUAAAAGQAAABkAAAAAAAAABcAAAAUAAAAAAAAAAAAAAD/fwAA/38AAAAAAAAJAAAABAAAAFDFzyEeAAAAaAAAAAAAAAAAAAAAAAAAAAAAAAAAAAAAECcAABAnAAAAAAAAAAAAAAAAAAAAAAAAAAAAAAAAAAAAAAAAAAAAABQAAAAAAAAAwMD/AAAAAABkAAAAMgAAAAAAAABkAAAAAAAAAH9/fwAKAAAAIgAAABgAAAAAAAAAAAAAAAAAAAAAAAAAAAAAAAAAAAAkAAAAJAAAAAAAAAAHAAAAAAAAAAAAAAAAAAAAAAAAAAAAAAAAAAAAf39/ACUAAABYAAAAAAAAAAAAAAAAAAAAAAAAAAAAAAAAAAAAAAAAAAAAAAAAAAAAAAAAAAAAAAA/AAAAAAAAAKCGAQAAAAAAAAAAAAAAAAAMAAAAAQAAAAAAAAAAAAAAAAAAAB8AAABUAAAAAAAABQAAAAEAAAAAAAAAAAAAAAAAAAAAAAAAAAAAAAAAAAAAAAAAAAAAAAJ/f38AAAAAA8zMzADAwP8Af39/AAAAAAAAAAAAAAAAAAAAAAAAAAAAIQAAABgAAAAUAAAAOBMAABonAAAIJQAAWSkAABAAAAAmAAAACAAAAAAAAAAAAAAA"/>
+                <pr:smNativeData xmlns:pr="smNativeData" xmlns="smNativeData" val="SMDATA_15_0rbXYhMAAAAlAAAAZAAAAA0AAAAAkAAAAEgAAACQAAAASAAAAAAAAAABAAAAAAAAAAEAAABQAAAAAAAAAAAA4D8AAAAAAADgPwAAAAAAAOA/AAAAAAAA4D8AAAAAAADgPwAAAAAAAOA/AAAAAAAA4D8AAAAAAADgPwAAAAAAAOA/AAAAAAAA4D8CAAAAjAAAAAAAAAAAAAAAT4G9DP///wgAAAAAAAAAAAAAAAAAAAAAAAAAAAAAAAAAAAAAZAAAAAEAAABAAAAAAAAAAAAAAAAAAAAAAAAAAAAAAAAAAAAAAAAAAAAAAAAAAAAAAAAAAAAAAAAAAAAAAAAAAAAAAAAAAAAAAAAAAAAAAAAAAAAAAAAAAAAAAAAAAAAAFAAAADwAAAAAAAAAAAAAAAAAAAkUAAAAAQAAABQAAAAUAAAAFAAAAAEAAAAAAAAAZAAAAGQAAAAAAAAAZAAAAGQAAAAVAAAAYAAAAAAAAAAAAAAADwAAACADAAAAAAAAAAAAAAEAAACgMgAAVgcAAKr4//8BAAAAf39/AAEAAABkAAAAAAAAABQAAABAHwAAAAAAACYAAAAAAAAAwOD//wAAAAAmAAAAZAAAABYAAABMAAAAAAAAAAAAAAAEAAAAAAAAAAEAAADu7OEKAAAAACgAAAAoAAAAZAAAAGQAAAAAAAAAzMzMAAAAAABQAAAAUAAAAGQAAABkAAAAAAAAABcAAAAUAAAAAAAAAAAAAAD/fwAA/38AAAAAAAAJAAAABAAAAFDFzyEeAAAAaAAAAAAAAAAAAAAAAAAAAAAAAAAAAAAAECcAABAnAAAAAAAAAAAAAAAAAAAAAAAAAAAAAAAAAAAAAAAAAAAAABQAAAAAAAAAwMD/AAAAAABkAAAAMgAAAAAAAABkAAAAAAAAAH9/fwAKAAAAIgAAABgAAAAAAAAAAAAAAAAAAAAAAAAAAAAAAAAAAAAkAAAAJAAAAAAAAAAHAAAAAAAAAAAAAAAAAAAAAAAAAAAAAAAAAAAAf39/ACUAAABYAAAAAAAAAAAAAAAAAAAAAAAAAAAAAAAAAAAAAAAAAAAAAAAAAAAAAAAAAAAAAAA/AAAAAAAAAKCGAQAAAAAAAAAAAAAAAAAMAAAAAQAAAAAAAAAAAAAAAAAAAB8AAABUAAAAAAAABQAAAAEAAAAAAAAAAAAAAAAAAAAAAAAAAAAAAAAAAAAAAAAAAAAAAAJ/f38AAAAAA8zMzADAwP8Af39/AAAAAAAAAAAAAAAAAAAAAAAAAAAAIQAAABgAAAAUAAAAOBMAABonAAAIJQAAWSkAABAAAAAmAAAACAAAAAAAAAAAAAAA"/>
               </a:ext>
             </a:extLst>
           </p:cNvSpPr>
@@ -1386,7 +1387,7 @@
             <a:spLocks noGrp="1" noChangeArrowheads="1"/>
             <a:extLst>
               <a:ext uri="smNativeData">
-                <pr:smNativeData xmlns:pr="smNativeData" xmlns="smNativeData" val="SMDATA_15_iunWYhMAAAAlAAAAZAAAAA0AAAAAkAAAAEgAAACQAAAASAAAAAAAAAABAAAAAAAAAAEAAABQAAAAAAAAAAAA4D8AAAAAAADgPwAAAAAAAOA/AAAAAAAA4D8AAAAAAADgPwAAAAAAAOA/AAAAAAAA4D8AAAAAAADgPwAAAAAAAOA/AAAAAAAA4D8CAAAAjAAAAAAAAAAAAAAAT4G9DP///wgAAAAAAAAAAAAAAAAAAAAAAAAAAAAAAAAAAAAAZAAAAAEAAABAAAAAAAAAAAAAAAAAAAAAAAAAAAAAAAAAAAAAAAAAAAAAAAAAAAAAAAAAAAAAAAAAAAAAAAAAAAAAAAAAAAAAAAAAAAAAAAAAAAAAAAAAAAAAAAAAAAAAFAAAADwAAAAAAAAAAAAAAAAAAAkUAAAAAQAAABQAAAAUAAAAFAAAAAEAAAAAAAAAZAAAAGQAAAAAAAAAZAAAAGQAAAAVAAAAYAAAAAAAAAAAAAAADwAAACADAAAAAAAAAAAAAAEAAACgMgAAVgcAAKr4//8BAAAAf39/AAEAAABkAAAAAAAAABQAAABAHwAAAAAAACYAAAAAAAAAwOD//wAAAAAmAAAAZAAAABYAAABMAAAAAAAAAAAAAAAEAAAAAAAAAAEAAADu7OEKAAAAACgAAAAoAAAAZAAAAGQAAAAAAAAAzMzMAAAAAABQAAAAUAAAAGQAAABkAAAAAAAAABcAAAAUAAAAAAAAAAAAAAD/fwAA/38AAAAAAAAJAAAABAAAAAAAAAAeAAAAaAAAAAAAAAAAAAAAAAAAAAAAAAAAAAAAECcAABAnAAAAAAAAAAAAAAAAAAAAAAAAAAAAAAAAAAAAAAAAAAAAABQAAAAAAAAAwMD/AAAAAABkAAAAMgAAAAAAAABkAAAAAAAAAH9/fwAKAAAAIgAAABgAAAAAAAAAAAAAAAAAAAAAAAAAAAAAAAAAAAAkAAAAJAAAAAAAAAAHAAAAAAAAAAAAAAAAAAAAAAAAAAAAAAAAAAAAf39/ACUAAABYAAAAAAAAAAAAAAAAAAAAAAAAAAAAAAAAAAAAAAAAAAAAAAAAAAAAAAAAAAAAAAA/AAAAAAAAAKCGAQAAAAAAAAAAAAAAAAAMAAAAAQAAAAAAAAAAAAAAAAAAAB8AAABUAAAAAAAABQAAAAEAAAAAAAAAAAAAAAAAAAAAAAAAAAAAAAAAAAAAAAAAAAAAAAJ/f38AAAAAA8zMzADAwP8Af39/AAAAAAAAAAAAAAAAAAAAAAAAAAAAIQAAABgAAAAUAAAAUCgAABonAABwNQAAWSkAABAAAAAmAAAACAAAAAAAAAAAAAAA"/>
+                <pr:smNativeData xmlns:pr="smNativeData" xmlns="smNativeData" val="SMDATA_15_0rbXYhMAAAAlAAAAZAAAAA0AAAAAkAAAAEgAAACQAAAASAAAAAAAAAABAAAAAAAAAAEAAABQAAAAAAAAAAAA4D8AAAAAAADgPwAAAAAAAOA/AAAAAAAA4D8AAAAAAADgPwAAAAAAAOA/AAAAAAAA4D8AAAAAAADgPwAAAAAAAOA/AAAAAAAA4D8CAAAAjAAAAAAAAAAAAAAAT4G9DP///wgAAAAAAAAAAAAAAAAAAAAAAAAAAAAAAAAAAAAAZAAAAAEAAABAAAAAAAAAAAAAAAAAAAAAAAAAAAAAAAAAAAAAAAAAAAAAAAAAAAAAAAAAAAAAAAAAAAAAAAAAAAAAAAAAAAAAAAAAAAAAAAAAAAAAAAAAAAAAAAAAAAAAFAAAADwAAAAAAAAAAAAAAAAAAAkUAAAAAQAAABQAAAAUAAAAFAAAAAEAAAAAAAAAZAAAAGQAAAAAAAAAZAAAAGQAAAAVAAAAYAAAAAAAAAAAAAAADwAAACADAAAAAAAAAAAAAAEAAACgMgAAVgcAAKr4//8BAAAAf39/AAEAAABkAAAAAAAAABQAAABAHwAAAAAAACYAAAAAAAAAwOD//wAAAAAmAAAAZAAAABYAAABMAAAAAAAAAAAAAAAEAAAAAAAAAAEAAADu7OEKAAAAACgAAAAoAAAAZAAAAGQAAAAAAAAAzMzMAAAAAABQAAAAUAAAAGQAAABkAAAAAAAAABcAAAAUAAAAAAAAAAAAAAD/fwAA/38AAAAAAAAJAAAABAAAAAAAAAAeAAAAaAAAAAAAAAAAAAAAAAAAAAAAAAAAAAAAECcAABAnAAAAAAAAAAAAAAAAAAAAAAAAAAAAAAAAAAAAAAAAAAAAABQAAAAAAAAAwMD/AAAAAABkAAAAMgAAAAAAAABkAAAAAAAAAH9/fwAKAAAAIgAAABgAAAAAAAAAAAAAAAAAAAAAAAAAAAAAAAAAAAAkAAAAJAAAAAAAAAAHAAAAAAAAAAAAAAAAAAAAAAAAAAAAAAAAAAAAf39/ACUAAABYAAAAAAAAAAAAAAAAAAAAAAAAAAAAAAAAAAAAAAAAAAAAAAAAAAAAAAAAAAAAAAA/AAAAAAAAAKCGAQAAAAAAAAAAAAAAAAAMAAAAAQAAAAAAAAAAAAAAAAAAAB8AAABUAAAAAAAABQAAAAEAAAAAAAAAAAAAAAAAAAAAAAAAAAAAAAAAAAAAAAAAAAAAAAJ/f38AAAAAA8zMzADAwP8Af39/AAAAAAAAAAAAAAAAAAAAAAAAAAAAIQAAABgAAAAUAAAAUCgAABonAABwNQAAWSkAABAAAAAmAAAACAAAAAAAAAAAAAAA"/>
               </a:ext>
             </a:extLst>
           </p:cNvSpPr>
@@ -1402,7 +1403,7 @@
             <a:pPr>
               <a:defRPr lang="fr-fr"/>
             </a:pPr>
-            <a:fld id="{3AA0A570-3ED7-F553-9918-C806EB566F9D}" type="slidenum">
+            <a:fld id="{709A9C6C-229D-CF6A-D322-D43FD26C2581}" type="slidenum">
               <a:t>‹#›</a:t>
             </a:fld>
           </a:p>
@@ -1441,7 +1442,7 @@
             <a:spLocks noGrp="1" noChangeArrowheads="1"/>
             <a:extLst>
               <a:ext uri="smNativeData">
-                <pr:smNativeData xmlns:pr="smNativeData" xmlns="smNativeData" val="SMDATA_15_iunWYhMAAAAlAAAAZAAAAA0AAAAAkAAAAEgAAACQAAAASAAAAAAAAAABAAAAAAAAAAEAAABQAAAAAAAAAAAA4D8AAAAAAADgPwAAAAAAAOA/AAAAAAAA4D8AAAAAAADgPwAAAAAAAOA/AAAAAAAA4D8AAAAAAADgPwAAAAAAAOA/AAAAAAAA4D8CAAAAjAAAAAAAAAAAAAAAT4G9DP///wgAAAAAAAAAAAAAAAAAAAAAAAAAAAAAAAAAAAAAZAAAAAEAAABAAAAAAAAAAAAAAAAAAAAAAAAAAAAAAAAAAAAAAAAAAAAAAAAAAAAAAAAAAAAAAAAAAAAAAAAAAAAAAAAAAAAAAAAAAAAAAAAAAAAAAAAAAAAAAAAAAAAAFAAAADwAAAAAAAAAAAAAAAAAAAkUAAAAAQAAABQAAAAUAAAAFAAAAAEAAAAAAAAAZAAAAGQAAAAAAAAAZAAAAGQAAAAVAAAAYAAAAAAAAAAAAAAADwAAACADAAAAAAAAAAAAAAEAAACgMgAAVgcAAKr4//8BAAAAf39/AAEAAABkAAAAAAAAABQAAABAHwAAAAAAACYAAAAAAAAAwOD//wAAAAAmAAAAZAAAABYAAABMAAAAAAAAAAAAAAAEAAAAAAAAAAEAAADu7OEKAAAAACgAAAAoAAAAZAAAAGQAAAAAAAAAzMzMAAAAAABQAAAAUAAAAGQAAABkAAAAAAAAABcAAAAUAAAAAAAAAAAAAAD/fwAA/38AAAAAAAAJAAAABAAAAAAAAAAeAAAAaAAAAAAAAAAAAAAAAAAAAAAAAAAAAAAAECcAABAnAAAAAAAAAAAAAAAAAAAAAAAAAAAAAAAAAAAAAAAAAAAAABQAAAAAAAAAwMD/AAAAAABkAAAAMgAAAAAAAABkAAAAAAAAAH9/fwAKAAAAIgAAABgAAAAAAAAAAAAAAAAAAAAAAAAAAAAAAAAAAAAkAAAAJAAAAAAAAAAHAAAAAAAAAAAAAAAAAAAAAAAAAAAAAAAAAAAAf39/ACUAAABYAAAAAAAAAAAAAAAAAAAAAAAAAAAAAAAAAAAAAAAAAAAAAAAAAAAAAAAAAAAAAAA/AAAAAAAAAKCGAQAAAAAAAAAAAAAAAAAMAAAAAQAAAAAAAAAAAAAAAAAAAB8AAABUAAAAAAAABQAAAAEAAAAAAAAAAAAAAAAAAAAAAAAAAAAAAAAAAAAAAAAAAAAAAAJ/f38AAAAAA8zMzADAwP8Af39/AAAAAAAAAAAAAAAAAAAAAAAAAAAAIQAAABgAAAAUAAAA0AIAALEBAABwNQAAuQgAABAAAAAmAAAACAAAAAAAAAAAAAAA"/>
+                <pr:smNativeData xmlns:pr="smNativeData" xmlns="smNativeData" val="SMDATA_15_0rbXYhMAAAAlAAAAZAAAAA0AAAAAkAAAAEgAAACQAAAASAAAAAAAAAABAAAAAAAAAAEAAABQAAAAAAAAAAAA4D8AAAAAAADgPwAAAAAAAOA/AAAAAAAA4D8AAAAAAADgPwAAAAAAAOA/AAAAAAAA4D8AAAAAAADgPwAAAAAAAOA/AAAAAAAA4D8CAAAAjAAAAAAAAAAAAAAAT4G9DP///wgAAAAAAAAAAAAAAAAAAAAAAAAAAAAAAAAAAAAAZAAAAAEAAABAAAAAAAAAAAAAAAAAAAAAAAAAAAAAAAAAAAAAAAAAAAAAAAAAAAAAAAAAAAAAAAAAAAAAAAAAAAAAAAAAAAAAAAAAAAAAAAAAAAAAAAAAAAAAAAAAAAAAFAAAADwAAAAAAAAAAAAAAAAAAAkUAAAAAQAAABQAAAAUAAAAFAAAAAEAAAAAAAAAZAAAAGQAAAAAAAAAZAAAAGQAAAAVAAAAYAAAAAAAAAAAAAAADwAAACADAAAAAAAAAAAAAAEAAACgMgAAVgcAAKr4//8BAAAAf39/AAEAAABkAAAAAAAAABQAAABAHwAAAAAAACYAAAAAAAAAwOD//wAAAAAmAAAAZAAAABYAAABMAAAAAAAAAAAAAAAEAAAAAAAAAAEAAADu7OEKAAAAACgAAAAoAAAAZAAAAGQAAAAAAAAAzMzMAAAAAABQAAAAUAAAAGQAAABkAAAAAAAAABcAAAAUAAAAAAAAAAAAAAD/fwAA/38AAAAAAAAJAAAABAAAAAAAAAAeAAAAaAAAAAAAAAAAAAAAAAAAAAAAAAAAAAAAECcAABAnAAAAAAAAAAAAAAAAAAAAAAAAAAAAAAAAAAAAAAAAAAAAABQAAAAAAAAAwMD/AAAAAABkAAAAMgAAAAAAAABkAAAAAAAAAH9/fwAKAAAAIgAAABgAAAAAAAAAAAAAAAAAAAAAAAAAAAAAAAAAAAAkAAAAJAAAAAAAAAAHAAAAAAAAAAAAAAAAAAAAAAAAAAAAAAAAAAAAf39/ACUAAABYAAAAAAAAAAAAAAAAAAAAAAAAAAAAAAAAAAAAAAAAAAAAAAAAAAAAAAAAAAAAAAA/AAAAAAAAAKCGAQAAAAAAAAAAAAAAAAAMAAAAAQAAAAAAAAAAAAAAAAAAAB8AAABUAAAAAAAABQAAAAEAAAAAAAAAAAAAAAAAAAAAAAAAAAAAAAAAAAAAAAAAAAAAAAJ/f38AAAAAA8zMzADAwP8Af39/AAAAAAAAAAAAAAAAAAAAAAAAAAAAIQAAABgAAAAUAAAA0AIAALEBAABwNQAAuQgAABAAAAAmAAAACAAAAAAAAAAAAAAA"/>
               </a:ext>
             </a:extLst>
           </p:cNvSpPr>
@@ -1470,7 +1471,7 @@
             <a:spLocks noGrp="1" noChangeArrowheads="1"/>
             <a:extLst>
               <a:ext uri="smNativeData">
-                <pr:smNativeData xmlns:pr="smNativeData" xmlns="smNativeData" val="SMDATA_15_iunWYhMAAAAlAAAAZAAAAA0AAAAAkAAAAEgAAACQAAAASAAAAAAAAAAAAAAAAAAAAAEAAABQAAAAAAAAAAAA4D8AAAAAAADgPwAAAAAAAOA/AAAAAAAA4D8AAAAAAADgPwAAAAAAAOA/AAAAAAAA4D8AAAAAAADgPwAAAAAAAOA/AAAAAAAA4D8CAAAAjAAAAAAAAAAAAAAAT4G9DP///wgAAAAAAAAAAAAAAAAAAAAAAAAAAAAAAAAAAAAAZAAAAAEAAABAAAAAAAAAAAAAAAAAAAAAAAAAAAAAAAAAAAAAAAAAAAAAAAAAAAAAAAAAAAAAAAAAAAAAAAAAAAAAAAAAAAAAAAAAAAAAAAAAAAAAAAAAAAAAAAAAAAAAFAAAADwAAAAAAAAAAAAAAAAAAAkUAAAAAQAAABQAAAAUAAAAFAAAAAEAAAAAAAAAZAAAAGQAAAAAAAAAZAAAAGQAAAAVAAAAYAAAAAAAAAAAAAAADwAAACADAAAAAAAAAAAAAAEAAACgMgAAVgcAAKr4//8BAAAAf39/AAEAAABkAAAAAAAAABQAAABAHwAAAAAAACYAAAAAAAAAwOD//wAAAAAmAAAAZAAAABYAAABMAAAAAAAAAAAAAAAEAAAAAAAAAAEAAADu7OEKAAAAACgAAAAoAAAAZAAAAGQAAAAAAAAAzMzMAAAAAABQAAAAUAAAAGQAAABkAAAAAAAAABcAAAAUAAAAAAAAAAAAAAD/fwAA/38AAAAAAAAJAAAABAAAAFRhcmceAAAAaAAAAAAAAAAAAAAAAAAAAAAAAAAAAAAAECcAABAnAAAAAAAAAAAAAAAAAAAAAAAAAAAAAAAAAAAAAAAAAAAAABQAAAAAAAAAwMD/AAAAAABkAAAAMgAAAAAAAABkAAAAAAAAAH9/fwAKAAAAIgAAABgAAAAAAAAAAAAAAAAAAAAAAAAAAAAAAAAAAAAkAAAAJAAAAAAAAAAHAAAAAAAAAAAAAAAAAAAAAAAAAAAAAAAAAAAAf39/ACUAAABYAAAAAAAAAAAAAAAAAAAAAAAAAAAAAAAAAAAAAAAAAAAAAAAAAAAAAAAAAAAAAAA/AAAAAAAAAKCGAQAAAAAAAAAAAAAAAAAMAAAAAQAAAAAAAAAAAAAAAAAAAB8AAABUAAAAAAAABQAAAAEAAAAAAAAAAAAAAAAAAAAAAAAAAAAAAAAAAAAAAAAAAAAAAAJ/f38AAAAAA8zMzADAwP8Af39/AAAAAAAAAAAAAAAAAAAAAAAAAAAAIQAAABgAAAAUAAAA0AIAANgJAACoGwAAsCUAABAAAAAmAAAACAAAAAGAAAAAAAAA"/>
+                <pr:smNativeData xmlns:pr="smNativeData" xmlns="smNativeData" val="SMDATA_15_0rbXYhMAAAAlAAAAZAAAAA0AAAAAkAAAAEgAAACQAAAASAAAAAAAAAAAAAAAAAAAAAEAAABQAAAAAAAAAAAA4D8AAAAAAADgPwAAAAAAAOA/AAAAAAAA4D8AAAAAAADgPwAAAAAAAOA/AAAAAAAA4D8AAAAAAADgPwAAAAAAAOA/AAAAAAAA4D8CAAAAjAAAAAAAAAAAAAAAT4G9DP///wgAAAAAAAAAAAAAAAAAAAAAAAAAAAAAAAAAAAAAZAAAAAEAAABAAAAAAAAAAAAAAAAAAAAAAAAAAAAAAAAAAAAAAAAAAAAAAAAAAAAAAAAAAAAAAAAAAAAAAAAAAAAAAAAAAAAAAAAAAAAAAAAAAAAAAAAAAAAAAAAAAAAAFAAAADwAAAAAAAAAAAAAAAAAAAkUAAAAAQAAABQAAAAUAAAAFAAAAAEAAAAAAAAAZAAAAGQAAAAAAAAAZAAAAGQAAAAVAAAAYAAAAAAAAAAAAAAADwAAACADAAAAAAAAAAAAAAEAAACgMgAAVgcAAKr4//8BAAAAf39/AAEAAABkAAAAAAAAABQAAABAHwAAAAAAACYAAAAAAAAAwOD//wAAAAAmAAAAZAAAABYAAABMAAAAAAAAAAAAAAAEAAAAAAAAAAEAAADu7OEKAAAAACgAAAAoAAAAZAAAAGQAAAAAAAAAzMzMAAAAAABQAAAAUAAAAGQAAABkAAAAAAAAABcAAAAUAAAAAAAAAAAAAAD/fwAA/38AAAAAAAAJAAAABAAAAFRhcmceAAAAaAAAAAAAAAAAAAAAAAAAAAAAAAAAAAAAECcAABAnAAAAAAAAAAAAAAAAAAAAAAAAAAAAAAAAAAAAAAAAAAAAABQAAAAAAAAAwMD/AAAAAABkAAAAMgAAAAAAAABkAAAAAAAAAH9/fwAKAAAAIgAAABgAAAAAAAAAAAAAAAAAAAAAAAAAAAAAAAAAAAAkAAAAJAAAAAAAAAAHAAAAAAAAAAAAAAAAAAAAAAAAAAAAAAAAAAAAf39/ACUAAABYAAAAAAAAAAAAAAAAAAAAAAAAAAAAAAAAAAAAAAAAAAAAAAAAAAAAAAAAAAAAAAA/AAAAAAAAAKCGAQAAAAAAAAAAAAAAAAAMAAAAAQAAAAAAAAAAAAAAAAAAAB8AAABUAAAAAAAABQAAAAEAAAAAAAAAAAAAAAAAAAAAAAAAAAAAAAAAAAAAAAAAAAAAAAJ/f38AAAAAA8zMzADAwP8Af39/AAAAAAAAAAAAAAAAAAAAAAAAAAAAIQAAABgAAAAUAAAA0AIAANgJAACoGwAAsCUAABAAAAAmAAAACAAAAAGAAAAAAAAA"/>
               </a:ext>
             </a:extLst>
           </p:cNvSpPr>
@@ -1564,7 +1565,7 @@
             <a:spLocks noGrp="1" noChangeArrowheads="1"/>
             <a:extLst>
               <a:ext uri="smNativeData">
-                <pr:smNativeData xmlns:pr="smNativeData" xmlns="smNativeData" val="SMDATA_15_iunWYhMAAAAlAAAAZAAAAA0AAAAAkAAAAEgAAACQAAAASAAAAAAAAAAAAAAAAAAAAAEAAABQAAAAAAAAAAAA4D8AAAAAAADgPwAAAAAAAOA/AAAAAAAA4D8AAAAAAADgPwAAAAAAAOA/AAAAAAAA4D8AAAAAAADgPwAAAAAAAOA/AAAAAAAA4D8CAAAAjAAAAAAAAAAAAAAAT4G9DP///wgAAAAAAAAAAAAAAAAAAAAAAAAAAAAAAAAAAAAAZAAAAAEAAABAAAAAAAAAAAAAAAAAAAAAAAAAAAAAAAAAAAAAAAAAAAAAAAAAAAAAAAAAAAAAAAAAAAAAAAAAAAAAAAAAAAAAAAAAAAAAAAAAAAAAAAAAAAAAAAAAAAAAFAAAADwAAAAAAAAAAAAAAAAAAAkUAAAAAQAAABQAAAAUAAAAFAAAAAEAAAAAAAAAZAAAAGQAAAAAAAAAZAAAAGQAAAAVAAAAYAAAAAAAAAAAAAAADwAAACADAAAAAAAAAAAAAAEAAACgMgAAVgcAAKr4//8BAAAAf39/AAEAAABkAAAAAAAAABQAAABAHwAAAAAAACYAAAAAAAAAwOD//wAAAAAmAAAAZAAAABYAAABMAAAAAAAAAAAAAAAEAAAAAAAAAAEAAADu7OEKAAAAACgAAAAoAAAAZAAAAGQAAAAAAAAAzMzMAAAAAABQAAAAUAAAAGQAAABkAAAAAAAAABcAAAAUAAAAAAAAAAAAAAD/fwAA/38AAAAAAAAJAAAABAAAAAAAAAAeAAAAaAAAAAAAAAAAAAAAAAAAAAAAAAAAAAAAECcAABAnAAAAAAAAAAAAAAAAAAAAAAAAAAAAAAAAAAAAAAAAAAAAABQAAAAAAAAAwMD/AAAAAABkAAAAMgAAAAAAAABkAAAAAAAAAH9/fwAKAAAAIgAAABgAAAAAAAAAAAAAAAAAAAAAAAAAAAAAAAAAAAAkAAAAJAAAAAAAAAAHAAAAAAAAAAAAAAAAAAAAAAAAAAAAAAAAAAAAf39/ACUAAABYAAAAAAAAAAAAAAAAAAAAAAAAAAAAAAAAAAAAAAAAAAAAAAAAAAAAAAAAAAAAAAA/AAAAAAAAAKCGAQAAAAAAAAAAAAAAAAAMAAAAAQAAAAAAAAAAAAAAAAAAAB8AAABUAAAAAAAABQAAAAEAAAAAAAAAAAAAAAAAAAAAAAAAAAAAAAAAAAAAAAAAAAAAAAJ/f38AAAAAA8zMzADAwP8Af39/AAAAAAAAAAAAAAAAAAAAAAAAAAAAIQAAABgAAAAUAAAAmBwAANgJAABwNQAAsCUAABAAAAAmAAAACAAAAAGAAAAAAAAA"/>
+                <pr:smNativeData xmlns:pr="smNativeData" xmlns="smNativeData" val="SMDATA_15_0rbXYhMAAAAlAAAAZAAAAA0AAAAAkAAAAEgAAACQAAAASAAAAAAAAAAAAAAAAAAAAAEAAABQAAAAAAAAAAAA4D8AAAAAAADgPwAAAAAAAOA/AAAAAAAA4D8AAAAAAADgPwAAAAAAAOA/AAAAAAAA4D8AAAAAAADgPwAAAAAAAOA/AAAAAAAA4D8CAAAAjAAAAAAAAAAAAAAAT4G9DP///wgAAAAAAAAAAAAAAAAAAAAAAAAAAAAAAAAAAAAAZAAAAAEAAABAAAAAAAAAAAAAAAAAAAAAAAAAAAAAAAAAAAAAAAAAAAAAAAAAAAAAAAAAAAAAAAAAAAAAAAAAAAAAAAAAAAAAAAAAAAAAAAAAAAAAAAAAAAAAAAAAAAAAFAAAADwAAAAAAAAAAAAAAAAAAAkUAAAAAQAAABQAAAAUAAAAFAAAAAEAAAAAAAAAZAAAAGQAAAAAAAAAZAAAAGQAAAAVAAAAYAAAAAAAAAAAAAAADwAAACADAAAAAAAAAAAAAAEAAACgMgAAVgcAAKr4//8BAAAAf39/AAEAAABkAAAAAAAAABQAAABAHwAAAAAAACYAAAAAAAAAwOD//wAAAAAmAAAAZAAAABYAAABMAAAAAAAAAAAAAAAEAAAAAAAAAAEAAADu7OEKAAAAACgAAAAoAAAAZAAAAGQAAAAAAAAAzMzMAAAAAABQAAAAUAAAAGQAAABkAAAAAAAAABcAAAAUAAAAAAAAAAAAAAD/fwAA/38AAAAAAAAJAAAABAAAAAAAAAAeAAAAaAAAAAAAAAAAAAAAAAAAAAAAAAAAAAAAECcAABAnAAAAAAAAAAAAAAAAAAAAAAAAAAAAAAAAAAAAAAAAAAAAABQAAAAAAAAAwMD/AAAAAABkAAAAMgAAAAAAAABkAAAAAAAAAH9/fwAKAAAAIgAAABgAAAAAAAAAAAAAAAAAAAAAAAAAAAAAAAAAAAAkAAAAJAAAAAAAAAAHAAAAAAAAAAAAAAAAAAAAAAAAAAAAAAAAAAAAf39/ACUAAABYAAAAAAAAAAAAAAAAAAAAAAAAAAAAAAAAAAAAAAAAAAAAAAAAAAAAAAAAAAAAAAA/AAAAAAAAAKCGAQAAAAAAAAAAAAAAAAAMAAAAAQAAAAAAAAAAAAAAAAAAAB8AAABUAAAAAAAABQAAAAEAAAAAAAAAAAAAAAAAAAAAAAAAAAAAAAAAAAAAAAAAAAAAAAJ/f38AAAAAA8zMzADAwP8Af39/AAAAAAAAAAAAAAAAAAAAAAAAAAAAIQAAABgAAAAUAAAAmBwAANgJAABwNQAAsCUAABAAAAAmAAAACAAAAAGAAAAAAAAA"/>
               </a:ext>
             </a:extLst>
           </p:cNvSpPr>
@@ -1658,7 +1659,7 @@
             <a:spLocks noGrp="1" noChangeArrowheads="1"/>
             <a:extLst>
               <a:ext uri="smNativeData">
-                <pr:smNativeData xmlns:pr="smNativeData" xmlns="smNativeData" val="SMDATA_15_iunWYhMAAAAlAAAAZAAAAA0AAAAAkAAAAEgAAACQAAAASAAAAAAAAAABAAAAAAAAAAEAAABQAAAAAAAAAAAA4D8AAAAAAADgPwAAAAAAAOA/AAAAAAAA4D8AAAAAAADgPwAAAAAAAOA/AAAAAAAA4D8AAAAAAADgPwAAAAAAAOA/AAAAAAAA4D8CAAAAjAAAAAAAAAAAAAAAT4G9DP///wgAAAAAAAAAAAAAAAAAAAAAAAAAAAAAAAAAAAAAZAAAAAEAAABAAAAAAAAAAAAAAAAAAAAAAAAAAAAAAAAAAAAAAAAAAAAAAAAAAAAAAAAAAAAAAAAAAAAAAAAAAAAAAAAAAAAAAAAAAAAAAAAAAAAAAAAAAAAAAAAAAAAAFAAAADwAAAAAAAAAAAAAAAAAAAkUAAAAAQAAABQAAAAUAAAAFAAAAAEAAAAAAAAAZAAAAGQAAAAAAAAAZAAAAGQAAAAVAAAAYAAAAAAAAAAAAAAADwAAACADAAAAAAAAAAAAAAEAAACgMgAAVgcAAKr4//8BAAAAf39/AAEAAABkAAAAAAAAABQAAABAHwAAAAAAACYAAAAAAAAAwOD//wAAAAAmAAAAZAAAABYAAABMAAAAAAAAAAAAAAAEAAAAAAAAAAEAAADu7OEKAAAAACgAAAAoAAAAZAAAAGQAAAAAAAAAzMzMAAAAAABQAAAAUAAAAGQAAABkAAAAAAAAABcAAAAUAAAAAAAAAAAAAAD/fwAA/38AAAAAAAAJAAAABAAAAFRhcmceAAAAaAAAAAAAAAAAAAAAAAAAAAAAAAAAAAAAECcAABAnAAAAAAAAAAAAAAAAAAAAAAAAAAAAAAAAAAAAAAAAAAAAABQAAAAAAAAAwMD/AAAAAABkAAAAMgAAAAAAAABkAAAAAAAAAH9/fwAKAAAAIgAAABgAAAAAAAAAAAAAAAAAAAAAAAAAAAAAAAAAAAAkAAAAJAAAAAAAAAAHAAAAAAAAAAAAAAAAAAAAAAAAAAAAAAAAAAAAf39/ACUAAABYAAAAAAAAAAAAAAAAAAAAAAAAAAAAAAAAAAAAAAAAAAAAAAAAAAAAAAAAAAAAAAA/AAAAAAAAAKCGAQAAAAAAAAAAAAAAAAAMAAAAAQAAAAAAAAAAAAAAAAAAAB8AAABUAAAAAAAABQAAAAEAAAAAAAAAAAAAAAAAAAAAAAAAAAAAAAAAAAAAAAAAAAAAAAJ/f38AAAAAA8zMzADAwP8Af39/AAAAAAAAAAAAAAAAAAAAAAAAAAAAIQAAABgAAAAUAAAA0AIAABonAADwDwAAWSkAABAAAAAmAAAACAAAAAAAAAAAAAAA"/>
+                <pr:smNativeData xmlns:pr="smNativeData" xmlns="smNativeData" val="SMDATA_15_0rbXYhMAAAAlAAAAZAAAAA0AAAAAkAAAAEgAAACQAAAASAAAAAAAAAABAAAAAAAAAAEAAABQAAAAAAAAAAAA4D8AAAAAAADgPwAAAAAAAOA/AAAAAAAA4D8AAAAAAADgPwAAAAAAAOA/AAAAAAAA4D8AAAAAAADgPwAAAAAAAOA/AAAAAAAA4D8CAAAAjAAAAAAAAAAAAAAAT4G9DP///wgAAAAAAAAAAAAAAAAAAAAAAAAAAAAAAAAAAAAAZAAAAAEAAABAAAAAAAAAAAAAAAAAAAAAAAAAAAAAAAAAAAAAAAAAAAAAAAAAAAAAAAAAAAAAAAAAAAAAAAAAAAAAAAAAAAAAAAAAAAAAAAAAAAAAAAAAAAAAAAAAAAAAFAAAADwAAAAAAAAAAAAAAAAAAAkUAAAAAQAAABQAAAAUAAAAFAAAAAEAAAAAAAAAZAAAAGQAAAAAAAAAZAAAAGQAAAAVAAAAYAAAAAAAAAAAAAAADwAAACADAAAAAAAAAAAAAAEAAACgMgAAVgcAAKr4//8BAAAAf39/AAEAAABkAAAAAAAAABQAAABAHwAAAAAAACYAAAAAAAAAwOD//wAAAAAmAAAAZAAAABYAAABMAAAAAAAAAAAAAAAEAAAAAAAAAAEAAADu7OEKAAAAACgAAAAoAAAAZAAAAGQAAAAAAAAAzMzMAAAAAABQAAAAUAAAAGQAAABkAAAAAAAAABcAAAAUAAAAAAAAAAAAAAD/fwAA/38AAAAAAAAJAAAABAAAAFRhcmceAAAAaAAAAAAAAAAAAAAAAAAAAAAAAAAAAAAAECcAABAnAAAAAAAAAAAAAAAAAAAAAAAAAAAAAAAAAAAAAAAAAAAAABQAAAAAAAAAwMD/AAAAAABkAAAAMgAAAAAAAABkAAAAAAAAAH9/fwAKAAAAIgAAABgAAAAAAAAAAAAAAAAAAAAAAAAAAAAAAAAAAAAkAAAAJAAAAAAAAAAHAAAAAAAAAAAAAAAAAAAAAAAAAAAAAAAAAAAAf39/ACUAAABYAAAAAAAAAAAAAAAAAAAAAAAAAAAAAAAAAAAAAAAAAAAAAAAAAAAAAAAAAAAAAAA/AAAAAAAAAKCGAQAAAAAAAAAAAAAAAAAMAAAAAQAAAAAAAAAAAAAAAAAAAB8AAABUAAAAAAAABQAAAAEAAAAAAAAAAAAAAAAAAAAAAAAAAAAAAAAAAAAAAAAAAAAAAAJ/f38AAAAAA8zMzADAwP8Af39/AAAAAAAAAAAAAAAAAAAAAAAAAAAAIQAAABgAAAAUAAAA0AIAABonAADwDwAAWSkAABAAAAAmAAAACAAAAAAAAAAAAAAA"/>
               </a:ext>
             </a:extLst>
           </p:cNvSpPr>
@@ -1674,7 +1675,7 @@
             <a:pPr>
               <a:defRPr lang="fr-fr"/>
             </a:pPr>
-            <a:fld id="{0D3FF407-49E0-6A02-AE87-BF57BAC958EA}" type="datetime1">
+            <a:fld id="{4E51B370-3EA3-0445-EDE9-C810FDA71B9D}" type="datetime1">
               <a:t>1/04/15</a:t>
             </a:fld>
           </a:p>
@@ -1687,7 +1688,7 @@
             <a:spLocks noGrp="1" noChangeArrowheads="1"/>
             <a:extLst>
               <a:ext uri="smNativeData">
-                <pr:smNativeData xmlns:pr="smNativeData" xmlns="smNativeData" val="SMDATA_15_iunWYhMAAAAlAAAAZAAAAA0AAAAAkAAAAEgAAACQAAAASAAAAAAAAAABAAAAAAAAAAEAAABQAAAAAAAAAAAA4D8AAAAAAADgPwAAAAAAAOA/AAAAAAAA4D8AAAAAAADgPwAAAAAAAOA/AAAAAAAA4D8AAAAAAADgPwAAAAAAAOA/AAAAAAAA4D8CAAAAjAAAAAAAAAAAAAAAT4G9DP///wgAAAAAAAAAAAAAAAAAAAAAAAAAAAAAAAAAAAAAZAAAAAEAAABAAAAAAAAAAAAAAAAAAAAAAAAAAAAAAAAAAAAAAAAAAAAAAAAAAAAAAAAAAAAAAAAAAAAAAAAAAAAAAAAAAAAAAAAAAAAAAAAAAAAAAAAAAAAAAAAAAAAAFAAAADwAAAAAAAAAAAAAAAAAAAkUAAAAAQAAABQAAAAUAAAAFAAAAAEAAAAAAAAAZAAAAGQAAAAAAAAAZAAAAGQAAAAVAAAAYAAAAAAAAAAAAAAADwAAACADAAAAAAAAAAAAAAEAAACgMgAAVgcAAKr4//8BAAAAf39/AAEAAABkAAAAAAAAABQAAABAHwAAAAAAACYAAAAAAAAAwOD//wAAAAAmAAAAZAAAABYAAABMAAAAAAAAAAAAAAAEAAAAAAAAAAEAAADu7OEKAAAAACgAAAAoAAAAZAAAAGQAAAAAAAAAzMzMAAAAAABQAAAAUAAAAGQAAABkAAAAAAAAABcAAAAUAAAAAAAAAAAAAAD/fwAA/38AAAAAAAAJAAAABAAAAAAAAAAeAAAAaAAAAAAAAAAAAAAAAAAAAAAAAAAAAAAAECcAABAnAAAAAAAAAAAAAAAAAAAAAAAAAAAAAAAAAAAAAAAAAAAAABQAAAAAAAAAwMD/AAAAAABkAAAAMgAAAAAAAABkAAAAAAAAAH9/fwAKAAAAIgAAABgAAAAAAAAAAAAAAAAAAAAAAAAAAAAAAAAAAAAkAAAAJAAAAAAAAAAHAAAAAAAAAAAAAAAAAAAAAAAAAAAAAAAAAAAAf39/ACUAAABYAAAAAAAAAAAAAAAAAAAAAAAAAAAAAAAAAAAAAAAAAAAAAAAAAAAAAAAAAAAAAAA/AAAAAAAAAKCGAQAAAAAAAAAAAAAAAAAMAAAAAQAAAAAAAAAAAAAAAAAAAB8AAABUAAAAAAAABQAAAAEAAAAAAAAAAAAAAAAAAAAAAAAAAAAAAAAAAAAAAAAAAAAAAAJ/f38AAAAAA8zMzADAwP8Af39/AAAAAAAAAAAAAAAAAAAAAAAAAAAAIQAAABgAAAAUAAAAOBMAABonAAAIJQAAWSkAABAAAAAmAAAACAAAAAAAAAAAAAAA"/>
+                <pr:smNativeData xmlns:pr="smNativeData" xmlns="smNativeData" val="SMDATA_15_0rbXYhMAAAAlAAAAZAAAAA0AAAAAkAAAAEgAAACQAAAASAAAAAAAAAABAAAAAAAAAAEAAABQAAAAAAAAAAAA4D8AAAAAAADgPwAAAAAAAOA/AAAAAAAA4D8AAAAAAADgPwAAAAAAAOA/AAAAAAAA4D8AAAAAAADgPwAAAAAAAOA/AAAAAAAA4D8CAAAAjAAAAAAAAAAAAAAAT4G9DP///wgAAAAAAAAAAAAAAAAAAAAAAAAAAAAAAAAAAAAAZAAAAAEAAABAAAAAAAAAAAAAAAAAAAAAAAAAAAAAAAAAAAAAAAAAAAAAAAAAAAAAAAAAAAAAAAAAAAAAAAAAAAAAAAAAAAAAAAAAAAAAAAAAAAAAAAAAAAAAAAAAAAAAFAAAADwAAAAAAAAAAAAAAAAAAAkUAAAAAQAAABQAAAAUAAAAFAAAAAEAAAAAAAAAZAAAAGQAAAAAAAAAZAAAAGQAAAAVAAAAYAAAAAAAAAAAAAAADwAAACADAAAAAAAAAAAAAAEAAACgMgAAVgcAAKr4//8BAAAAf39/AAEAAABkAAAAAAAAABQAAABAHwAAAAAAACYAAAAAAAAAwOD//wAAAAAmAAAAZAAAABYAAABMAAAAAAAAAAAAAAAEAAAAAAAAAAEAAADu7OEKAAAAACgAAAAoAAAAZAAAAGQAAAAAAAAAzMzMAAAAAABQAAAAUAAAAGQAAABkAAAAAAAAABcAAAAUAAAAAAAAAAAAAAD/fwAA/38AAAAAAAAJAAAABAAAAAAAAAAeAAAAaAAAAAAAAAAAAAAAAAAAAAAAAAAAAAAAECcAABAnAAAAAAAAAAAAAAAAAAAAAAAAAAAAAAAAAAAAAAAAAAAAABQAAAAAAAAAwMD/AAAAAABkAAAAMgAAAAAAAABkAAAAAAAAAH9/fwAKAAAAIgAAABgAAAAAAAAAAAAAAAAAAAAAAAAAAAAAAAAAAAAkAAAAJAAAAAAAAAAHAAAAAAAAAAAAAAAAAAAAAAAAAAAAAAAAAAAAf39/ACUAAABYAAAAAAAAAAAAAAAAAAAAAAAAAAAAAAAAAAAAAAAAAAAAAAAAAAAAAAAAAAAAAAA/AAAAAAAAAKCGAQAAAAAAAAAAAAAAAAAMAAAAAQAAAAAAAAAAAAAAAAAAAB8AAABUAAAAAAAABQAAAAEAAAAAAAAAAAAAAAAAAAAAAAAAAAAAAAAAAAAAAAAAAAAAAAJ/f38AAAAAA8zMzADAwP8Af39/AAAAAAAAAAAAAAAAAAAAAAAAAAAAIQAAABgAAAAUAAAAOBMAABonAAAIJQAAWSkAABAAAAAmAAAACAAAAAAAAAAAAAAA"/>
               </a:ext>
             </a:extLst>
           </p:cNvSpPr>
@@ -1713,7 +1714,7 @@
             <a:spLocks noGrp="1" noChangeArrowheads="1"/>
             <a:extLst>
               <a:ext uri="smNativeData">
-                <pr:smNativeData xmlns:pr="smNativeData" xmlns="smNativeData" val="SMDATA_15_iunWYhMAAAAlAAAAZAAAAA0AAAAAkAAAAEgAAACQAAAASAAAAAAAAAABAAAAAAAAAAEAAABQAAAAAAAAAAAA4D8AAAAAAADgPwAAAAAAAOA/AAAAAAAA4D8AAAAAAADgPwAAAAAAAOA/AAAAAAAA4D8AAAAAAADgPwAAAAAAAOA/AAAAAAAA4D8CAAAAjAAAAAAAAAAAAAAAT4G9DP///wgAAAAAAAAAAAAAAAAAAAAAAAAAAAAAAAAAAAAAZAAAAAEAAABAAAAAAAAAAAAAAAAAAAAAAAAAAAAAAAAAAAAAAAAAAAAAAAAAAAAAAAAAAAAAAAAAAAAAAAAAAAAAAAAAAAAAAAAAAAAAAAAAAAAAAAAAAAAAAAAAAAAAFAAAADwAAAAAAAAAAAAAAAAAAAkUAAAAAQAAABQAAAAUAAAAFAAAAAEAAAAAAAAAZAAAAGQAAAAAAAAAZAAAAGQAAAAVAAAAYAAAAAAAAAAAAAAADwAAACADAAAAAAAAAAAAAAEAAACgMgAAVgcAAKr4//8BAAAAf39/AAEAAABkAAAAAAAAABQAAABAHwAAAAAAACYAAAAAAAAAwOD//wAAAAAmAAAAZAAAABYAAABMAAAAAAAAAAAAAAAEAAAAAAAAAAEAAADu7OEKAAAAACgAAAAoAAAAZAAAAGQAAAAAAAAAzMzMAAAAAABQAAAAUAAAAGQAAABkAAAAAAAAABcAAAAUAAAAAAAAAAAAAAD/fwAA/38AAAAAAAAJAAAABAAAAFRhcmceAAAAaAAAAAAAAAAAAAAAAAAAAAAAAAAAAAAAECcAABAnAAAAAAAAAAAAAAAAAAAAAAAAAAAAAAAAAAAAAAAAAAAAABQAAAAAAAAAwMD/AAAAAABkAAAAMgAAAAAAAABkAAAAAAAAAH9/fwAKAAAAIgAAABgAAAAAAAAAAAAAAAAAAAAAAAAAAAAAAAAAAAAkAAAAJAAAAAAAAAAHAAAAAAAAAAAAAAAAAAAAAAAAAAAAAAAAAAAAf39/ACUAAABYAAAAAAAAAAAAAAAAAAAAAAAAAAAAAAAAAAAAAAAAAAAAAAAAAAAAAAAAAAAAAAA/AAAAAAAAAKCGAQAAAAAAAAAAAAAAAAAMAAAAAQAAAAAAAAAAAAAAAAAAAB8AAABUAAAAAAAABQAAAAEAAAAAAAAAAAAAAAAAAAAAAAAAAAAAAAAAAAAAAAAAAAAAAAJ/f38AAAAAA8zMzADAwP8Af39/AAAAAAAAAAAAAAAAAAAAAAAAAAAAIQAAABgAAAAUAAAAUCgAABonAABwNQAAWSkAABAAAAAmAAAACAAAAAAAAAAAAAAA"/>
+                <pr:smNativeData xmlns:pr="smNativeData" xmlns="smNativeData" val="SMDATA_15_0rbXYhMAAAAlAAAAZAAAAA0AAAAAkAAAAEgAAACQAAAASAAAAAAAAAABAAAAAAAAAAEAAABQAAAAAAAAAAAA4D8AAAAAAADgPwAAAAAAAOA/AAAAAAAA4D8AAAAAAADgPwAAAAAAAOA/AAAAAAAA4D8AAAAAAADgPwAAAAAAAOA/AAAAAAAA4D8CAAAAjAAAAAAAAAAAAAAAT4G9DP///wgAAAAAAAAAAAAAAAAAAAAAAAAAAAAAAAAAAAAAZAAAAAEAAABAAAAAAAAAAAAAAAAAAAAAAAAAAAAAAAAAAAAAAAAAAAAAAAAAAAAAAAAAAAAAAAAAAAAAAAAAAAAAAAAAAAAAAAAAAAAAAAAAAAAAAAAAAAAAAAAAAAAAFAAAADwAAAAAAAAAAAAAAAAAAAkUAAAAAQAAABQAAAAUAAAAFAAAAAEAAAAAAAAAZAAAAGQAAAAAAAAAZAAAAGQAAAAVAAAAYAAAAAAAAAAAAAAADwAAACADAAAAAAAAAAAAAAEAAACgMgAAVgcAAKr4//8BAAAAf39/AAEAAABkAAAAAAAAABQAAABAHwAAAAAAACYAAAAAAAAAwOD//wAAAAAmAAAAZAAAABYAAABMAAAAAAAAAAAAAAAEAAAAAAAAAAEAAADu7OEKAAAAACgAAAAoAAAAZAAAAGQAAAAAAAAAzMzMAAAAAABQAAAAUAAAAGQAAABkAAAAAAAAABcAAAAUAAAAAAAAAAAAAAD/fwAA/38AAAAAAAAJAAAABAAAAFRhcmceAAAAaAAAAAAAAAAAAAAAAAAAAAAAAAAAAAAAECcAABAnAAAAAAAAAAAAAAAAAAAAAAAAAAAAAAAAAAAAAAAAAAAAABQAAAAAAAAAwMD/AAAAAABkAAAAMgAAAAAAAABkAAAAAAAAAH9/fwAKAAAAIgAAABgAAAAAAAAAAAAAAAAAAAAAAAAAAAAAAAAAAAAkAAAAJAAAAAAAAAAHAAAAAAAAAAAAAAAAAAAAAAAAAAAAAAAAAAAAf39/ACUAAABYAAAAAAAAAAAAAAAAAAAAAAAAAAAAAAAAAAAAAAAAAAAAAAAAAAAAAAAAAAAAAAA/AAAAAAAAAKCGAQAAAAAAAAAAAAAAAAAMAAAAAQAAAAAAAAAAAAAAAAAAAB8AAABUAAAAAAAABQAAAAEAAAAAAAAAAAAAAAAAAAAAAAAAAAAAAAAAAAAAAAAAAAAAAAJ/f38AAAAAA8zMzADAwP8Af39/AAAAAAAAAAAAAAAAAAAAAAAAAAAAIQAAABgAAAAUAAAAUCgAABonAABwNQAAWSkAABAAAAAmAAAACAAAAAAAAAAAAAAA"/>
               </a:ext>
             </a:extLst>
           </p:cNvSpPr>
@@ -1729,7 +1730,7 @@
             <a:pPr>
               <a:defRPr lang="fr-fr"/>
             </a:pPr>
-            <a:fld id="{1B26CEBF-F1F6-7338-B89E-076D80D04E52}" type="slidenum">
+            <a:fld id="{02D685BD-F3EF-8373-A16E-0526CB205750}" type="slidenum">
               <a:t>‹#›</a:t>
             </a:fld>
           </a:p>
@@ -1768,7 +1769,7 @@
             <a:spLocks noGrp="1" noChangeArrowheads="1"/>
             <a:extLst>
               <a:ext uri="smNativeData">
-                <pr:smNativeData xmlns:pr="smNativeData" xmlns="smNativeData" val="SMDATA_15_iunWYhMAAAAlAAAAZAAAAA0AAAAAkAAAAEgAAACQAAAASAAAAAAAAAABAAAAAAAAAAEAAABQAAAAAAAAAAAA4D8AAAAAAADgPwAAAAAAAOA/AAAAAAAA4D8AAAAAAADgPwAAAAAAAOA/AAAAAAAA4D8AAAAAAADgPwAAAAAAAOA/AAAAAAAA4D8CAAAAjAAAAAAAAAAAAAAAT4G9DP///wgAAAAAAAAAAAAAAAAAAAAAAAAAAAAAAAAAAAAAZAAAAAEAAABAAAAAAAAAAAAAAAAAAAAAAAAAAAAAAAAAAAAAAAAAAAAAAAAAAAAAAAAAAAAAAAAAAAAAAAAAAAAAAAAAAAAAAAAAAAAAAAAAAAAAAAAAAAAAAAAAAAAAFAAAADwAAAAAAAAAAAAAAAAAAAkUAAAAAQAAABQAAAAUAAAAFAAAAAEAAAAAAAAAZAAAAGQAAAAAAAAAZAAAAGQAAAAVAAAAYAAAAAAAAAAAAAAADwAAACADAAAAAAAAAAAAAAEAAACgMgAAVgcAAKr4//8BAAAAf39/AAEAAABkAAAAAAAAABQAAABAHwAAAAAAACYAAAAAAAAAwOD//wAAAAAmAAAAZAAAABYAAABMAAAAAAAAAAAAAAAEAAAAAAAAAAEAAADu7OEKAAAAACgAAAAoAAAAZAAAAGQAAAAAAAAAzMzMAAAAAABQAAAAUAAAAGQAAABkAAAAAAAAABcAAAAUAAAAAAAAAAAAAAD/fwAA/38AAAAAAAAJAAAABAAAAAAAAAAeAAAAaAAAAAAAAAAAAAAAAAAAAAAAAAAAAAAAECcAABAnAAAAAAAAAAAAAAAAAAAAAAAAAAAAAAAAAAAAAAAAAAAAABQAAAAAAAAAwMD/AAAAAABkAAAAMgAAAAAAAABkAAAAAAAAAH9/fwAKAAAAIgAAABgAAAAAAAAAAAAAAAAAAAAAAAAAAAAAAAAAAAAkAAAAJAAAAAAAAAAHAAAAAAAAAAAAAAAAAAAAAAAAAAAAAAAAAAAAf39/ACUAAABYAAAAAAAAAAAAAAAAAAAAAAAAAAAAAAAAAAAAAAAAAAAAAAAAAAAAAAAAAAAAAAA/AAAAAAAAAKCGAQAAAAAAAAAAAAAAAAAMAAAAAQAAAAAAAAAAAAAAAAAAAB8AAABUAAAAAAAABQAAAAEAAAAAAAAAAAAAAAAAAAAAAAAAAAAAAAAAAAAAAAAAAAAAAAJ/f38AAAAAA8zMzADAwP8Af39/AAAAAAAAAAAAAAAAAAAAAAAAAAAAIQAAABgAAAAUAAAA0AIAALEBAABwNQAAuQgAABAAAAAmAAAACAAAAAAAAAAAAAAA"/>
+                <pr:smNativeData xmlns:pr="smNativeData" xmlns="smNativeData" val="SMDATA_15_0rbXYhMAAAAlAAAAZAAAAA0AAAAAkAAAAEgAAACQAAAASAAAAAAAAAABAAAAAAAAAAEAAABQAAAAAAAAAAAA4D8AAAAAAADgPwAAAAAAAOA/AAAAAAAA4D8AAAAAAADgPwAAAAAAAOA/AAAAAAAA4D8AAAAAAADgPwAAAAAAAOA/AAAAAAAA4D8CAAAAjAAAAAAAAAAAAAAAT4G9DP///wgAAAAAAAAAAAAAAAAAAAAAAAAAAAAAAAAAAAAAZAAAAAEAAABAAAAAAAAAAAAAAAAAAAAAAAAAAAAAAAAAAAAAAAAAAAAAAAAAAAAAAAAAAAAAAAAAAAAAAAAAAAAAAAAAAAAAAAAAAAAAAAAAAAAAAAAAAAAAAAAAAAAAFAAAADwAAAAAAAAAAAAAAAAAAAkUAAAAAQAAABQAAAAUAAAAFAAAAAEAAAAAAAAAZAAAAGQAAAAAAAAAZAAAAGQAAAAVAAAAYAAAAAAAAAAAAAAADwAAACADAAAAAAAAAAAAAAEAAACgMgAAVgcAAKr4//8BAAAAf39/AAEAAABkAAAAAAAAABQAAABAHwAAAAAAACYAAAAAAAAAwOD//wAAAAAmAAAAZAAAABYAAABMAAAAAAAAAAAAAAAEAAAAAAAAAAEAAADu7OEKAAAAACgAAAAoAAAAZAAAAGQAAAAAAAAAzMzMAAAAAABQAAAAUAAAAGQAAABkAAAAAAAAABcAAAAUAAAAAAAAAAAAAAD/fwAA/38AAAAAAAAJAAAABAAAAAAAAAAeAAAAaAAAAAAAAAAAAAAAAAAAAAAAAAAAAAAAECcAABAnAAAAAAAAAAAAAAAAAAAAAAAAAAAAAAAAAAAAAAAAAAAAABQAAAAAAAAAwMD/AAAAAABkAAAAMgAAAAAAAABkAAAAAAAAAH9/fwAKAAAAIgAAABgAAAAAAAAAAAAAAAAAAAAAAAAAAAAAAAAAAAAkAAAAJAAAAAAAAAAHAAAAAAAAAAAAAAAAAAAAAAAAAAAAAAAAAAAAf39/ACUAAABYAAAAAAAAAAAAAAAAAAAAAAAAAAAAAAAAAAAAAAAAAAAAAAAAAAAAAAAAAAAAAAA/AAAAAAAAAKCGAQAAAAAAAAAAAAAAAAAMAAAAAQAAAAAAAAAAAAAAAAAAAB8AAABUAAAAAAAABQAAAAEAAAAAAAAAAAAAAAAAAAAAAAAAAAAAAAAAAAAAAAAAAAAAAAJ/f38AAAAAA8zMzADAwP8Af39/AAAAAAAAAAAAAAAAAAAAAAAAAAAAIQAAABgAAAAUAAAA0AIAALEBAABwNQAAuQgAABAAAAAmAAAACAAAAAAAAAAAAAAA"/>
               </a:ext>
             </a:extLst>
           </p:cNvSpPr>
@@ -1797,7 +1798,7 @@
             <a:spLocks noGrp="1" noChangeArrowheads="1"/>
             <a:extLst>
               <a:ext uri="smNativeData">
-                <pr:smNativeData xmlns:pr="smNativeData" xmlns="smNativeData" val="SMDATA_15_iunWYhMAAAAlAAAAZAAAAA0AAAAAkAAAAEgAAACQAAAASAAAAAAAAAACAAAAAAAAAAEAAABQAAAAAAAAAAAA4D8AAAAAAADgPwAAAAAAAOA/AAAAAAAA4D8AAAAAAADgPwAAAAAAAOA/AAAAAAAA4D8AAAAAAADgPwAAAAAAAOA/AAAAAAAA4D8CAAAAjAAAAAAAAAAAAAAAT4G9DP///wgAAAAAAAAAAAAAAAAAAAAAAAAAAAAAAAAAAAAAZAAAAAEAAABAAAAAAAAAAAAAAAAAAAAAAAAAAAAAAAAAAAAAAAAAAAAAAAAAAAAAAAAAAAAAAAAAAAAAAAAAAAAAAAAAAAAAAAAAAAAAAAAAAAAAAAAAAAAAAAAAAAAAFAAAADwAAAAAAAAAAAAAAAAAAAkUAAAAAQAAABQAAAAUAAAAFAAAAAEAAAAAAAAAZAAAAGQAAAAAAAAAZAAAAGQAAAAVAAAAYAAAAAAAAAAAAAAADwAAACADAAAAAAAAAAAAAAEAAACgMgAAVgcAAKr4//8BAAAAf39/AAEAAABkAAAAAAAAABQAAABAHwAAAAAAACYAAAAAAAAAwOD//wAAAAAmAAAAZAAAABYAAABMAAAAAAAAAAAAAAAEAAAAAAAAAAEAAADu7OEKAAAAACgAAAAoAAAAZAAAAGQAAAAAAAAAzMzMAAAAAABQAAAAUAAAAGQAAABkAAAAAAAAABcAAAAUAAAAAAAAAAAAAAD/fwAA/38AAAAAAAAJAAAABAAAAFRhcmceAAAAaAAAAAAAAAAAAAAAAAAAAAAAAAAAAAAAECcAABAnAAAAAAAAAAAAAAAAAAAAAAAAAAAAAAAAAAAAAAAAAAAAABQAAAAAAAAAwMD/AAAAAABkAAAAMgAAAAAAAABkAAAAAAAAAH9/fwAKAAAAIgAAABgAAAAAAAAAAAAAAAAAAAAAAAAAAAAAAAAAAAAkAAAAJAAAAAAAAAAHAAAAAAAAAAAAAAAAAAAAAAAAAAAAAAAAAAAAf39/ACUAAABYAAAAAAAAAAAAAAAAAAAAAAAAAAAAAAAAAAAAAAAAAAAAAAAAAAAAAAAAAAAAAAA/AAAAAAAAAKCGAQAAAAAAAAAAAAAAAAAMAAAAAQAAAAAAAAAAAAAAAAAAAB8AAABUAAAAAAAABQAAAAEAAAAAAAAAAAAAAAAAAAAAAAAAAAAAAAAAAAAAAAAAAAAAAAJ/f38AAAAAA8zMzADAwP8Af39/AAAAAAAAAAAAAAAAAAAAAAAAAAAAIQAAABgAAAAUAAAA0AIAAHIJAACrGwAAYQ0AABAAAAAmAAAACAAAAIGAAAAAAAAA"/>
+                <pr:smNativeData xmlns:pr="smNativeData" xmlns="smNativeData" val="SMDATA_15_0rbXYhMAAAAlAAAAZAAAAA0AAAAAkAAAAEgAAACQAAAASAAAAAAAAAACAAAAAAAAAAEAAABQAAAAAAAAAAAA4D8AAAAAAADgPwAAAAAAAOA/AAAAAAAA4D8AAAAAAADgPwAAAAAAAOA/AAAAAAAA4D8AAAAAAADgPwAAAAAAAOA/AAAAAAAA4D8CAAAAjAAAAAAAAAAAAAAAT4G9DP///wgAAAAAAAAAAAAAAAAAAAAAAAAAAAAAAAAAAAAAZAAAAAEAAABAAAAAAAAAAAAAAAAAAAAAAAAAAAAAAAAAAAAAAAAAAAAAAAAAAAAAAAAAAAAAAAAAAAAAAAAAAAAAAAAAAAAAAAAAAAAAAAAAAAAAAAAAAAAAAAAAAAAAFAAAADwAAAAAAAAAAAAAAAAAAAkUAAAAAQAAABQAAAAUAAAAFAAAAAEAAAAAAAAAZAAAAGQAAAAAAAAAZAAAAGQAAAAVAAAAYAAAAAAAAAAAAAAADwAAACADAAAAAAAAAAAAAAEAAACgMgAAVgcAAKr4//8BAAAAf39/AAEAAABkAAAAAAAAABQAAABAHwAAAAAAACYAAAAAAAAAwOD//wAAAAAmAAAAZAAAABYAAABMAAAAAAAAAAAAAAAEAAAAAAAAAAEAAADu7OEKAAAAACgAAAAoAAAAZAAAAGQAAAAAAAAAzMzMAAAAAABQAAAAUAAAAGQAAABkAAAAAAAAABcAAAAUAAAAAAAAAAAAAAD/fwAA/38AAAAAAAAJAAAABAAAAFRhcmceAAAAaAAAAAAAAAAAAAAAAAAAAAAAAAAAAAAAECcAABAnAAAAAAAAAAAAAAAAAAAAAAAAAAAAAAAAAAAAAAAAAAAAABQAAAAAAAAAwMD/AAAAAABkAAAAMgAAAAAAAABkAAAAAAAAAH9/fwAKAAAAIgAAABgAAAAAAAAAAAAAAAAAAAAAAAAAAAAAAAAAAAAkAAAAJAAAAAAAAAAHAAAAAAAAAAAAAAAAAAAAAAAAAAAAAAAAAAAAf39/ACUAAABYAAAAAAAAAAAAAAAAAAAAAAAAAAAAAAAAAAAAAAAAAAAAAAAAAAAAAAAAAAAAAAA/AAAAAAAAAKCGAQAAAAAAAAAAAAAAAAAMAAAAAQAAAAAAAAAAAAAAAAAAAB8AAABUAAAAAAAABQAAAAEAAAAAAAAAAAAAAAAAAAAAAAAAAAAAAAAAAAAAAAAAAAAAAAJ/f38AAAAAA8zMzADAwP8Af39/AAAAAAAAAAAAAAAAAAAAAAAAAAAAIQAAABgAAAAUAAAA0AIAAHIJAACrGwAAYQ0AABAAAAAmAAAACAAAAIGAAAAAAAAA"/>
               </a:ext>
             </a:extLst>
           </p:cNvSpPr>
@@ -1872,7 +1873,7 @@
             <a:spLocks noGrp="1" noChangeArrowheads="1"/>
             <a:extLst>
               <a:ext uri="smNativeData">
-                <pr:smNativeData xmlns:pr="smNativeData" xmlns="smNativeData" val="SMDATA_15_iunWYhMAAAAlAAAAZAAAAA0AAAAAkAAAAEgAAACQAAAASAAAAAAAAAAAAAAAAAAAAAEAAABQAAAAAAAAAAAA4D8AAAAAAADgPwAAAAAAAOA/AAAAAAAA4D8AAAAAAADgPwAAAAAAAOA/AAAAAAAA4D8AAAAAAADgPwAAAAAAAOA/AAAAAAAA4D8CAAAAjAAAAAAAAAAAAAAAT4G9DP///wgAAAAAAAAAAAAAAAAAAAAAAAAAAAAAAAAAAAAAZAAAAAEAAABAAAAAAAAAAAAAAAAAAAAAAAAAAAAAAAAAAAAAAAAAAAAAAAAAAAAAAAAAAAAAAAAAAAAAAAAAAAAAAAAAAAAAAAAAAAAAAAAAAAAAAAAAAAAAAAAAAAAAFAAAADwAAAAAAAAAAAAAAAAAAAkUAAAAAQAAABQAAAAUAAAAFAAAAAEAAAAAAAAAZAAAAGQAAAAAAAAAZAAAAGQAAAAVAAAAYAAAAAAAAAAAAAAADwAAACADAAAAAAAAAAAAAAEAAACgMgAAVgcAAKr4//8BAAAAf39/AAEAAABkAAAAAAAAABQAAABAHwAAAAAAACYAAAAAAAAAwOD//wAAAAAmAAAAZAAAABYAAABMAAAAAAAAAAAAAAAEAAAAAAAAAAEAAADu7OEKAAAAACgAAAAoAAAAZAAAAGQAAAAAAAAAzMzMAAAAAABQAAAAUAAAAGQAAABkAAAAAAAAABcAAAAUAAAAAAAAAAAAAAD/fwAA/38AAAAAAAAJAAAABAAAAAAAAAAeAAAAaAAAAAAAAAAAAAAAAAAAAAAAAAAAAAAAECcAABAnAAAAAAAAAAAAAAAAAAAAAAAAAAAAAAAAAAAAAAAAAAAAABQAAAAAAAAAwMD/AAAAAABkAAAAMgAAAAAAAABkAAAAAAAAAH9/fwAKAAAAIgAAABgAAAAAAAAAAAAAAAAAAAAAAAAAAAAAAAAAAAAkAAAAJAAAAAAAAAAHAAAAAAAAAAAAAAAAAAAAAAAAAAAAAAAAAAAAf39/ACUAAABYAAAAAAAAAAAAAAAAAAAAAAAAAAAAAAAAAAAAAAAAAAAAAAAAAAAAAAAAAAAAAAA/AAAAAAAAAKCGAQAAAAAAAAAAAAAAAAAMAAAAAQAAAAAAAAAAAAAAAAAAAB8AAABUAAAAAAAABQAAAAEAAAAAAAAAAAAAAAAAAAAAAAAAAAAAAAAAAAAAAAAAAAAAAAJ/f38AAAAAA8zMzADAwP8Af39/AAAAAAAAAAAAAAAAAAAAAAAAAAAAIQAAABgAAAAUAAAA0AIAAGENAACrGwAAsCUAABAAAAAmAAAACAAAAAGAAAAAAAAA"/>
+                <pr:smNativeData xmlns:pr="smNativeData" xmlns="smNativeData" val="SMDATA_15_0rbXYhMAAAAlAAAAZAAAAA0AAAAAkAAAAEgAAACQAAAASAAAAAAAAAAAAAAAAAAAAAEAAABQAAAAAAAAAAAA4D8AAAAAAADgPwAAAAAAAOA/AAAAAAAA4D8AAAAAAADgPwAAAAAAAOA/AAAAAAAA4D8AAAAAAADgPwAAAAAAAOA/AAAAAAAA4D8CAAAAjAAAAAAAAAAAAAAAT4G9DP///wgAAAAAAAAAAAAAAAAAAAAAAAAAAAAAAAAAAAAAZAAAAAEAAABAAAAAAAAAAAAAAAAAAAAAAAAAAAAAAAAAAAAAAAAAAAAAAAAAAAAAAAAAAAAAAAAAAAAAAAAAAAAAAAAAAAAAAAAAAAAAAAAAAAAAAAAAAAAAAAAAAAAAFAAAADwAAAAAAAAAAAAAAAAAAAkUAAAAAQAAABQAAAAUAAAAFAAAAAEAAAAAAAAAZAAAAGQAAAAAAAAAZAAAAGQAAAAVAAAAYAAAAAAAAAAAAAAADwAAACADAAAAAAAAAAAAAAEAAACgMgAAVgcAAKr4//8BAAAAf39/AAEAAABkAAAAAAAAABQAAABAHwAAAAAAACYAAAAAAAAAwOD//wAAAAAmAAAAZAAAABYAAABMAAAAAAAAAAAAAAAEAAAAAAAAAAEAAADu7OEKAAAAACgAAAAoAAAAZAAAAGQAAAAAAAAAzMzMAAAAAABQAAAAUAAAAGQAAABkAAAAAAAAABcAAAAUAAAAAAAAAAAAAAD/fwAA/38AAAAAAAAJAAAABAAAAAAAAAAeAAAAaAAAAAAAAAAAAAAAAAAAAAAAAAAAAAAAECcAABAnAAAAAAAAAAAAAAAAAAAAAAAAAAAAAAAAAAAAAAAAAAAAABQAAAAAAAAAwMD/AAAAAABkAAAAMgAAAAAAAABkAAAAAAAAAH9/fwAKAAAAIgAAABgAAAAAAAAAAAAAAAAAAAAAAAAAAAAAAAAAAAAkAAAAJAAAAAAAAAAHAAAAAAAAAAAAAAAAAAAAAAAAAAAAAAAAAAAAf39/ACUAAABYAAAAAAAAAAAAAAAAAAAAAAAAAAAAAAAAAAAAAAAAAAAAAAAAAAAAAAAAAAAAAAA/AAAAAAAAAKCGAQAAAAAAAAAAAAAAAAAMAAAAAQAAAAAAAAAAAAAAAAAAAB8AAABUAAAAAAAABQAAAAEAAAAAAAAAAAAAAAAAAAAAAAAAAAAAAAAAAAAAAAAAAAAAAAJ/f38AAAAAA8zMzADAwP8Af39/AAAAAAAAAAAAAAAAAAAAAAAAAAAAIQAAABgAAAAUAAAA0AIAAGENAACrGwAAsCUAABAAAAAmAAAACAAAAAGAAAAAAAAA"/>
               </a:ext>
             </a:extLst>
           </p:cNvSpPr>
@@ -1966,7 +1967,7 @@
             <a:spLocks noGrp="1" noChangeArrowheads="1"/>
             <a:extLst>
               <a:ext uri="smNativeData">
-                <pr:smNativeData xmlns:pr="smNativeData" xmlns="smNativeData" val="SMDATA_15_iunWYhMAAAAlAAAAZAAAAA0AAAAAkAAAAEgAAACQAAAASAAAAAAAAAACAAAAAAAAAAEAAABQAAAAAAAAAAAA4D8AAAAAAADgPwAAAAAAAOA/AAAAAAAA4D8AAAAAAADgPwAAAAAAAOA/AAAAAAAA4D8AAAAAAADgPwAAAAAAAOA/AAAAAAAA4D8CAAAAjAAAAAAAAAAAAAAAT4G9DP///wgAAAAAAAAAAAAAAAAAAAAAAAAAAAAAAAAAAAAAZAAAAAEAAABAAAAAAAAAAAAAAAAAAAAAAAAAAAAAAAAAAAAAAAAAAAAAAAAAAAAAAAAAAAAAAAAAAAAAAAAAAAAAAAAAAAAAAAAAAAAAAAAAAAAAAAAAAAAAAAAAAAAAFAAAADwAAAAAAAAAAAAAAAAAAAkUAAAAAQAAABQAAAAUAAAAFAAAAAEAAAAAAAAAZAAAAGQAAAAAAAAAZAAAAGQAAAAVAAAAYAAAAAAAAAAAAAAADwAAACADAAAAAAAAAAAAAAEAAACgMgAAVgcAAKr4//8BAAAAf39/AAEAAABkAAAAAAAAABQAAABAHwAAAAAAACYAAAAAAAAAwOD//wAAAAAmAAAAZAAAABYAAABMAAAAAAAAAAAAAAAEAAAAAAAAAAEAAADu7OEKAAAAACgAAAAoAAAAZAAAAGQAAAAAAAAAzMzMAAAAAABQAAAAUAAAAGQAAABkAAAAAAAAABcAAAAUAAAAAAAAAAAAAAD/fwAA/38AAAAAAAAJAAAABAAAAFRhcmceAAAAaAAAAAAAAAAAAAAAAAAAAAAAAAAAAAAAECcAABAnAAAAAAAAAAAAAAAAAAAAAAAAAAAAAAAAAAAAAAAAAAAAABQAAAAAAAAAwMD/AAAAAABkAAAAMgAAAAAAAABkAAAAAAAAAH9/fwAKAAAAIgAAABgAAAAAAAAAAAAAAAAAAAAAAAAAAAAAAAAAAAAkAAAAJAAAAAAAAAAHAAAAAAAAAAAAAAAAAAAAAAAAAAAAAAAAAAAAf39/ACUAAABYAAAAAAAAAAAAAAAAAAAAAAAAAAAAAAAAAAAAAAAAAAAAAAAAAAAAAAAAAAAAAAA/AAAAAAAAAKCGAQAAAAAAAAAAAAAAAAAMAAAAAQAAAAAAAAAAAAAAAAAAAB8AAABUAAAAAAAABQAAAAEAAAAAAAAAAAAAAAAAAAAAAAAAAAAAAAAAAAAAAAAAAAAAAAJ/f38AAAAAA8zMzADAwP8Af39/AAAAAAAAAAAAAAAAAAAAAAAAAAAAIQAAABgAAAAUAAAAkxwAAHIJAABwNQAAYQ0AABAAAAAmAAAACAAAAIGAAAAAAAAA"/>
+                <pr:smNativeData xmlns:pr="smNativeData" xmlns="smNativeData" val="SMDATA_15_0rbXYhMAAAAlAAAAZAAAAA0AAAAAkAAAAEgAAACQAAAASAAAAAAAAAACAAAAAAAAAAEAAABQAAAAAAAAAAAA4D8AAAAAAADgPwAAAAAAAOA/AAAAAAAA4D8AAAAAAADgPwAAAAAAAOA/AAAAAAAA4D8AAAAAAADgPwAAAAAAAOA/AAAAAAAA4D8CAAAAjAAAAAAAAAAAAAAAT4G9DP///wgAAAAAAAAAAAAAAAAAAAAAAAAAAAAAAAAAAAAAZAAAAAEAAABAAAAAAAAAAAAAAAAAAAAAAAAAAAAAAAAAAAAAAAAAAAAAAAAAAAAAAAAAAAAAAAAAAAAAAAAAAAAAAAAAAAAAAAAAAAAAAAAAAAAAAAAAAAAAAAAAAAAAFAAAADwAAAAAAAAAAAAAAAAAAAkUAAAAAQAAABQAAAAUAAAAFAAAAAEAAAAAAAAAZAAAAGQAAAAAAAAAZAAAAGQAAAAVAAAAYAAAAAAAAAAAAAAADwAAACADAAAAAAAAAAAAAAEAAACgMgAAVgcAAKr4//8BAAAAf39/AAEAAABkAAAAAAAAABQAAABAHwAAAAAAACYAAAAAAAAAwOD//wAAAAAmAAAAZAAAABYAAABMAAAAAAAAAAAAAAAEAAAAAAAAAAEAAADu7OEKAAAAACgAAAAoAAAAZAAAAGQAAAAAAAAAzMzMAAAAAABQAAAAUAAAAGQAAABkAAAAAAAAABcAAAAUAAAAAAAAAAAAAAD/fwAA/38AAAAAAAAJAAAABAAAAFRhcmceAAAAaAAAAAAAAAAAAAAAAAAAAAAAAAAAAAAAECcAABAnAAAAAAAAAAAAAAAAAAAAAAAAAAAAAAAAAAAAAAAAAAAAABQAAAAAAAAAwMD/AAAAAABkAAAAMgAAAAAAAABkAAAAAAAAAH9/fwAKAAAAIgAAABgAAAAAAAAAAAAAAAAAAAAAAAAAAAAAAAAAAAAkAAAAJAAAAAAAAAAHAAAAAAAAAAAAAAAAAAAAAAAAAAAAAAAAAAAAf39/ACUAAABYAAAAAAAAAAAAAAAAAAAAAAAAAAAAAAAAAAAAAAAAAAAAAAAAAAAAAAAAAAAAAAA/AAAAAAAAAKCGAQAAAAAAAAAAAAAAAAAMAAAAAQAAAAAAAAAAAAAAAAAAAB8AAABUAAAAAAAABQAAAAEAAAAAAAAAAAAAAAAAAAAAAAAAAAAAAAAAAAAAAAAAAAAAAAJ/f38AAAAAA8zMzADAwP8Af39/AAAAAAAAAAAAAAAAAAAAAAAAAAAAIQAAABgAAAAUAAAAkxwAAHIJAABwNQAAYQ0AABAAAAAmAAAACAAAAIGAAAAAAAAA"/>
               </a:ext>
             </a:extLst>
           </p:cNvSpPr>
@@ -2041,7 +2042,7 @@
             <a:spLocks noGrp="1" noChangeArrowheads="1"/>
             <a:extLst>
               <a:ext uri="smNativeData">
-                <pr:smNativeData xmlns:pr="smNativeData" xmlns="smNativeData" val="SMDATA_15_iunWYhMAAAAlAAAAZAAAAA0AAAAAkAAAAEgAAACQAAAASAAAAAAAAAAAAAAAAAAAAAEAAABQAAAAAAAAAAAA4D8AAAAAAADgPwAAAAAAAOA/AAAAAAAA4D8AAAAAAADgPwAAAAAAAOA/AAAAAAAA4D8AAAAAAADgPwAAAAAAAOA/AAAAAAAA4D8CAAAAjAAAAAAAAAAAAAAAT4G9DP///wgAAAAAAAAAAAAAAAAAAAAAAAAAAAAAAAAAAAAAZAAAAAEAAABAAAAAAAAAAAAAAAAAAAAAAAAAAAAAAAAAAAAAAAAAAAAAAAAAAAAAAAAAAAAAAAAAAAAAAAAAAAAAAAAAAAAAAAAAAAAAAAAAAAAAAAAAAAAAAAAAAAAAFAAAADwAAAAAAAAAAAAAAAAAAAkUAAAAAQAAABQAAAAUAAAAFAAAAAEAAAAAAAAAZAAAAGQAAAAAAAAAZAAAAGQAAAAVAAAAYAAAAAAAAAAAAAAADwAAACADAAAAAAAAAAAAAAEAAACgMgAAVgcAAKr4//8BAAAAf39/AAEAAABkAAAAAAAAABQAAABAHwAAAAAAACYAAAAAAAAAwOD//wAAAAAmAAAAZAAAABYAAABMAAAAAAAAAAAAAAAEAAAAAAAAAAEAAADu7OEKAAAAACgAAAAoAAAAZAAAAGQAAAAAAAAAzMzMAAAAAABQAAAAUAAAAGQAAABkAAAAAAAAABcAAAAUAAAAAAAAAAAAAAD/fwAA/38AAAAAAAAJAAAABAAAAAAAAAAeAAAAaAAAAAAAAAAAAAAAAAAAAAAAAAAAAAAAECcAABAnAAAAAAAAAAAAAAAAAAAAAAAAAAAAAAAAAAAAAAAAAAAAABQAAAAAAAAAwMD/AAAAAABkAAAAMgAAAAAAAABkAAAAAAAAAH9/fwAKAAAAIgAAABgAAAAAAAAAAAAAAAAAAAAAAAAAAAAAAAAAAAAkAAAAJAAAAAAAAAAHAAAAAAAAAAAAAAAAAAAAAAAAAAAAAAAAAAAAf39/ACUAAABYAAAAAAAAAAAAAAAAAAAAAAAAAAAAAAAAAAAAAAAAAAAAAAAAAAAAAAAAAAAAAAA/AAAAAAAAAKCGAQAAAAAAAAAAAAAAAAAMAAAAAQAAAAAAAAAAAAAAAAAAAB8AAABUAAAAAAAABQAAAAEAAAAAAAAAAAAAAAAAAAAAAAAAAAAAAAAAAAAAAAAAAAAAAAJ/f38AAAAAA8zMzADAwP8Af39/AAAAAAAAAAAAAAAAAAAAAAAAAAAAIQAAABgAAAAUAAAAkxwAAGENAABwNQAAsCUAABAAAAAmAAAACAAAAAGAAAAAAAAA"/>
+                <pr:smNativeData xmlns:pr="smNativeData" xmlns="smNativeData" val="SMDATA_15_0rbXYhMAAAAlAAAAZAAAAA0AAAAAkAAAAEgAAACQAAAASAAAAAAAAAAAAAAAAAAAAAEAAABQAAAAAAAAAAAA4D8AAAAAAADgPwAAAAAAAOA/AAAAAAAA4D8AAAAAAADgPwAAAAAAAOA/AAAAAAAA4D8AAAAAAADgPwAAAAAAAOA/AAAAAAAA4D8CAAAAjAAAAAAAAAAAAAAAT4G9DP///wgAAAAAAAAAAAAAAAAAAAAAAAAAAAAAAAAAAAAAZAAAAAEAAABAAAAAAAAAAAAAAAAAAAAAAAAAAAAAAAAAAAAAAAAAAAAAAAAAAAAAAAAAAAAAAAAAAAAAAAAAAAAAAAAAAAAAAAAAAAAAAAAAAAAAAAAAAAAAAAAAAAAAFAAAADwAAAAAAAAAAAAAAAAAAAkUAAAAAQAAABQAAAAUAAAAFAAAAAEAAAAAAAAAZAAAAGQAAAAAAAAAZAAAAGQAAAAVAAAAYAAAAAAAAAAAAAAADwAAACADAAAAAAAAAAAAAAEAAACgMgAAVgcAAKr4//8BAAAAf39/AAEAAABkAAAAAAAAABQAAABAHwAAAAAAACYAAAAAAAAAwOD//wAAAAAmAAAAZAAAABYAAABMAAAAAAAAAAAAAAAEAAAAAAAAAAEAAADu7OEKAAAAACgAAAAoAAAAZAAAAGQAAAAAAAAAzMzMAAAAAABQAAAAUAAAAGQAAABkAAAAAAAAABcAAAAUAAAAAAAAAAAAAAD/fwAA/38AAAAAAAAJAAAABAAAAAAAAAAeAAAAaAAAAAAAAAAAAAAAAAAAAAAAAAAAAAAAECcAABAnAAAAAAAAAAAAAAAAAAAAAAAAAAAAAAAAAAAAAAAAAAAAABQAAAAAAAAAwMD/AAAAAABkAAAAMgAAAAAAAABkAAAAAAAAAH9/fwAKAAAAIgAAABgAAAAAAAAAAAAAAAAAAAAAAAAAAAAAAAAAAAAkAAAAJAAAAAAAAAAHAAAAAAAAAAAAAAAAAAAAAAAAAAAAAAAAAAAAf39/ACUAAABYAAAAAAAAAAAAAAAAAAAAAAAAAAAAAAAAAAAAAAAAAAAAAAAAAAAAAAAAAAAAAAA/AAAAAAAAAKCGAQAAAAAAAAAAAAAAAAAMAAAAAQAAAAAAAAAAAAAAAAAAAB8AAABUAAAAAAAABQAAAAEAAAAAAAAAAAAAAAAAAAAAAAAAAAAAAAAAAAAAAAAAAAAAAAJ/f38AAAAAA8zMzADAwP8Af39/AAAAAAAAAAAAAAAAAAAAAAAAAAAAIQAAABgAAAAUAAAAkxwAAGENAABwNQAAsCUAABAAAAAmAAAACAAAAAGAAAAAAAAA"/>
               </a:ext>
             </a:extLst>
           </p:cNvSpPr>
@@ -2135,7 +2136,7 @@
             <a:spLocks noGrp="1" noChangeArrowheads="1"/>
             <a:extLst>
               <a:ext uri="smNativeData">
-                <pr:smNativeData xmlns:pr="smNativeData" xmlns="smNativeData" val="SMDATA_15_iunWYhMAAAAlAAAAZAAAAA0AAAAAkAAAAEgAAACQAAAASAAAAAAAAAABAAAAAAAAAAEAAABQAAAAAAAAAAAA4D8AAAAAAADgPwAAAAAAAOA/AAAAAAAA4D8AAAAAAADgPwAAAAAAAOA/AAAAAAAA4D8AAAAAAADgPwAAAAAAAOA/AAAAAAAA4D8CAAAAjAAAAAAAAAAAAAAAT4G9DP///wgAAAAAAAAAAAAAAAAAAAAAAAAAAAAAAAAAAAAAZAAAAAEAAABAAAAAAAAAAAAAAAAAAAAAAAAAAAAAAAAAAAAAAAAAAAAAAAAAAAAAAAAAAAAAAAAAAAAAAAAAAAAAAAAAAAAAAAAAAAAAAAAAAAAAAAAAAAAAAAAAAAAAFAAAADwAAAAAAAAAAAAAAAAAAAkUAAAAAQAAABQAAAAUAAAAFAAAAAEAAAAAAAAAZAAAAGQAAAAAAAAAZAAAAGQAAAAVAAAAYAAAAAAAAAAAAAAADwAAACADAAAAAAAAAAAAAAEAAACgMgAAVgcAAKr4//8BAAAAf39/AAEAAABkAAAAAAAAABQAAABAHwAAAAAAACYAAAAAAAAAwOD//wAAAAAmAAAAZAAAABYAAABMAAAAAAAAAAAAAAAEAAAAAAAAAAEAAADu7OEKAAAAACgAAAAoAAAAZAAAAGQAAAAAAAAAzMzMAAAAAABQAAAAUAAAAGQAAABkAAAAAAAAABcAAAAUAAAAAAAAAAAAAAD/fwAA/38AAAAAAAAJAAAABAAAAFRhcmceAAAAaAAAAAAAAAAAAAAAAAAAAAAAAAAAAAAAECcAABAnAAAAAAAAAAAAAAAAAAAAAAAAAAAAAAAAAAAAAAAAAAAAABQAAAAAAAAAwMD/AAAAAABkAAAAMgAAAAAAAABkAAAAAAAAAH9/fwAKAAAAIgAAABgAAAAAAAAAAAAAAAAAAAAAAAAAAAAAAAAAAAAkAAAAJAAAAAAAAAAHAAAAAAAAAAAAAAAAAAAAAAAAAAAAAAAAAAAAf39/ACUAAABYAAAAAAAAAAAAAAAAAAAAAAAAAAAAAAAAAAAAAAAAAAAAAAAAAAAAAAAAAAAAAAA/AAAAAAAAAKCGAQAAAAAAAAAAAAAAAAAMAAAAAQAAAAAAAAAAAAAAAAAAAB8AAABUAAAAAAAABQAAAAEAAAAAAAAAAAAAAAAAAAAAAAAAAAAAAAAAAAAAAAAAAAAAAAJ/f38AAAAAA8zMzADAwP8Af39/AAAAAAAAAAAAAAAAAAAAAAAAAAAAIQAAABgAAAAUAAAA0AIAABonAADwDwAAWSkAABAAAAAmAAAACAAAAAAAAAAAAAAA"/>
+                <pr:smNativeData xmlns:pr="smNativeData" xmlns="smNativeData" val="SMDATA_15_0rbXYhMAAAAlAAAAZAAAAA0AAAAAkAAAAEgAAACQAAAASAAAAAAAAAABAAAAAAAAAAEAAABQAAAAAAAAAAAA4D8AAAAAAADgPwAAAAAAAOA/AAAAAAAA4D8AAAAAAADgPwAAAAAAAOA/AAAAAAAA4D8AAAAAAADgPwAAAAAAAOA/AAAAAAAA4D8CAAAAjAAAAAAAAAAAAAAAT4G9DP///wgAAAAAAAAAAAAAAAAAAAAAAAAAAAAAAAAAAAAAZAAAAAEAAABAAAAAAAAAAAAAAAAAAAAAAAAAAAAAAAAAAAAAAAAAAAAAAAAAAAAAAAAAAAAAAAAAAAAAAAAAAAAAAAAAAAAAAAAAAAAAAAAAAAAAAAAAAAAAAAAAAAAAFAAAADwAAAAAAAAAAAAAAAAAAAkUAAAAAQAAABQAAAAUAAAAFAAAAAEAAAAAAAAAZAAAAGQAAAAAAAAAZAAAAGQAAAAVAAAAYAAAAAAAAAAAAAAADwAAACADAAAAAAAAAAAAAAEAAACgMgAAVgcAAKr4//8BAAAAf39/AAEAAABkAAAAAAAAABQAAABAHwAAAAAAACYAAAAAAAAAwOD//wAAAAAmAAAAZAAAABYAAABMAAAAAAAAAAAAAAAEAAAAAAAAAAEAAADu7OEKAAAAACgAAAAoAAAAZAAAAGQAAAAAAAAAzMzMAAAAAABQAAAAUAAAAGQAAABkAAAAAAAAABcAAAAUAAAAAAAAAAAAAAD/fwAA/38AAAAAAAAJAAAABAAAAFRhcmceAAAAaAAAAAAAAAAAAAAAAAAAAAAAAAAAAAAAECcAABAnAAAAAAAAAAAAAAAAAAAAAAAAAAAAAAAAAAAAAAAAAAAAABQAAAAAAAAAwMD/AAAAAABkAAAAMgAAAAAAAABkAAAAAAAAAH9/fwAKAAAAIgAAABgAAAAAAAAAAAAAAAAAAAAAAAAAAAAAAAAAAAAkAAAAJAAAAAAAAAAHAAAAAAAAAAAAAAAAAAAAAAAAAAAAAAAAAAAAf39/ACUAAABYAAAAAAAAAAAAAAAAAAAAAAAAAAAAAAAAAAAAAAAAAAAAAAAAAAAAAAAAAAAAAAA/AAAAAAAAAKCGAQAAAAAAAAAAAAAAAAAMAAAAAQAAAAAAAAAAAAAAAAAAAB8AAABUAAAAAAAABQAAAAEAAAAAAAAAAAAAAAAAAAAAAAAAAAAAAAAAAAAAAAAAAAAAAAJ/f38AAAAAA8zMzADAwP8Af39/AAAAAAAAAAAAAAAAAAAAAAAAAAAAIQAAABgAAAAUAAAA0AIAABonAADwDwAAWSkAABAAAAAmAAAACAAAAAAAAAAAAAAA"/>
               </a:ext>
             </a:extLst>
           </p:cNvSpPr>
@@ -2151,7 +2152,7 @@
             <a:pPr>
               <a:defRPr lang="fr-fr"/>
             </a:pPr>
-            <a:fld id="{09807488-C6E4-D582-AA38-30D73A765C65}" type="datetime1">
+            <a:fld id="{4103429D-D3AC-56B4-E2BB-25E10CF51470}" type="datetime1">
               <a:t>1/04/15</a:t>
             </a:fld>
           </a:p>
@@ -2164,7 +2165,7 @@
             <a:spLocks noGrp="1" noChangeArrowheads="1"/>
             <a:extLst>
               <a:ext uri="smNativeData">
-                <pr:smNativeData xmlns:pr="smNativeData" xmlns="smNativeData" val="SMDATA_15_iunWYhMAAAAlAAAAZAAAAA0AAAAAkAAAAEgAAACQAAAASAAAAAAAAAABAAAAAAAAAAEAAABQAAAAAAAAAAAA4D8AAAAAAADgPwAAAAAAAOA/AAAAAAAA4D8AAAAAAADgPwAAAAAAAOA/AAAAAAAA4D8AAAAAAADgPwAAAAAAAOA/AAAAAAAA4D8CAAAAjAAAAAAAAAAAAAAAT4G9DP///wgAAAAAAAAAAAAAAAAAAAAAAAAAAAAAAAAAAAAAZAAAAAEAAABAAAAAAAAAAAAAAAAAAAAAAAAAAAAAAAAAAAAAAAAAAAAAAAAAAAAAAAAAAAAAAAAAAAAAAAAAAAAAAAAAAAAAAAAAAAAAAAAAAAAAAAAAAAAAAAAAAAAAFAAAADwAAAAAAAAAAAAAAAAAAAkUAAAAAQAAABQAAAAUAAAAFAAAAAEAAAAAAAAAZAAAAGQAAAAAAAAAZAAAAGQAAAAVAAAAYAAAAAAAAAAAAAAADwAAACADAAAAAAAAAAAAAAEAAACgMgAAVgcAAKr4//8BAAAAf39/AAEAAABkAAAAAAAAABQAAABAHwAAAAAAACYAAAAAAAAAwOD//wAAAAAmAAAAZAAAABYAAABMAAAAAAAAAAAAAAAEAAAAAAAAAAEAAADu7OEKAAAAACgAAAAoAAAAZAAAAGQAAAAAAAAAzMzMAAAAAABQAAAAUAAAAGQAAABkAAAAAAAAABcAAAAUAAAAAAAAAAAAAAD/fwAA/38AAAAAAAAJAAAABAAAAAAAAAAeAAAAaAAAAAAAAAAAAAAAAAAAAAAAAAAAAAAAECcAABAnAAAAAAAAAAAAAAAAAAAAAAAAAAAAAAAAAAAAAAAAAAAAABQAAAAAAAAAwMD/AAAAAABkAAAAMgAAAAAAAABkAAAAAAAAAH9/fwAKAAAAIgAAABgAAAAAAAAAAAAAAAAAAAAAAAAAAAAAAAAAAAAkAAAAJAAAAAAAAAAHAAAAAAAAAAAAAAAAAAAAAAAAAAAAAAAAAAAAf39/ACUAAABYAAAAAAAAAAAAAAAAAAAAAAAAAAAAAAAAAAAAAAAAAAAAAAAAAAAAAAAAAAAAAAA/AAAAAAAAAKCGAQAAAAAAAAAAAAAAAAAMAAAAAQAAAAAAAAAAAAAAAAAAAB8AAABUAAAAAAAABQAAAAEAAAAAAAAAAAAAAAAAAAAAAAAAAAAAAAAAAAAAAAAAAAAAAAJ/f38AAAAAA8zMzADAwP8Af39/AAAAAAAAAAAAAAAAAAAAAAAAAAAAIQAAABgAAAAUAAAAOBMAABonAAAIJQAAWSkAABAAAAAmAAAACAAAAAAAAAAAAAAA"/>
+                <pr:smNativeData xmlns:pr="smNativeData" xmlns="smNativeData" val="SMDATA_15_0rbXYhMAAAAlAAAAZAAAAA0AAAAAkAAAAEgAAACQAAAASAAAAAAAAAABAAAAAAAAAAEAAABQAAAAAAAAAAAA4D8AAAAAAADgPwAAAAAAAOA/AAAAAAAA4D8AAAAAAADgPwAAAAAAAOA/AAAAAAAA4D8AAAAAAADgPwAAAAAAAOA/AAAAAAAA4D8CAAAAjAAAAAAAAAAAAAAAT4G9DP///wgAAAAAAAAAAAAAAAAAAAAAAAAAAAAAAAAAAAAAZAAAAAEAAABAAAAAAAAAAAAAAAAAAAAAAAAAAAAAAAAAAAAAAAAAAAAAAAAAAAAAAAAAAAAAAAAAAAAAAAAAAAAAAAAAAAAAAAAAAAAAAAAAAAAAAAAAAAAAAAAAAAAAFAAAADwAAAAAAAAAAAAAAAAAAAkUAAAAAQAAABQAAAAUAAAAFAAAAAEAAAAAAAAAZAAAAGQAAAAAAAAAZAAAAGQAAAAVAAAAYAAAAAAAAAAAAAAADwAAACADAAAAAAAAAAAAAAEAAACgMgAAVgcAAKr4//8BAAAAf39/AAEAAABkAAAAAAAAABQAAABAHwAAAAAAACYAAAAAAAAAwOD//wAAAAAmAAAAZAAAABYAAABMAAAAAAAAAAAAAAAEAAAAAAAAAAEAAADu7OEKAAAAACgAAAAoAAAAZAAAAGQAAAAAAAAAzMzMAAAAAABQAAAAUAAAAGQAAABkAAAAAAAAABcAAAAUAAAAAAAAAAAAAAD/fwAA/38AAAAAAAAJAAAABAAAAAAAAAAeAAAAaAAAAAAAAAAAAAAAAAAAAAAAAAAAAAAAECcAABAnAAAAAAAAAAAAAAAAAAAAAAAAAAAAAAAAAAAAAAAAAAAAABQAAAAAAAAAwMD/AAAAAABkAAAAMgAAAAAAAABkAAAAAAAAAH9/fwAKAAAAIgAAABgAAAAAAAAAAAAAAAAAAAAAAAAAAAAAAAAAAAAkAAAAJAAAAAAAAAAHAAAAAAAAAAAAAAAAAAAAAAAAAAAAAAAAAAAAf39/ACUAAABYAAAAAAAAAAAAAAAAAAAAAAAAAAAAAAAAAAAAAAAAAAAAAAAAAAAAAAAAAAAAAAA/AAAAAAAAAKCGAQAAAAAAAAAAAAAAAAAMAAAAAQAAAAAAAAAAAAAAAAAAAB8AAABUAAAAAAAABQAAAAEAAAAAAAAAAAAAAAAAAAAAAAAAAAAAAAAAAAAAAAAAAAAAAAJ/f38AAAAAA8zMzADAwP8Af39/AAAAAAAAAAAAAAAAAAAAAAAAAAAAIQAAABgAAAAUAAAAOBMAABonAAAIJQAAWSkAABAAAAAmAAAACAAAAAAAAAAAAAAA"/>
               </a:ext>
             </a:extLst>
           </p:cNvSpPr>
@@ -2190,7 +2191,7 @@
             <a:spLocks noGrp="1" noChangeArrowheads="1"/>
             <a:extLst>
               <a:ext uri="smNativeData">
-                <pr:smNativeData xmlns:pr="smNativeData" xmlns="smNativeData" val="SMDATA_15_iunWYhMAAAAlAAAAZAAAAA0AAAAAkAAAAEgAAACQAAAASAAAAAAAAAABAAAAAAAAAAEAAABQAAAAAAAAAAAA4D8AAAAAAADgPwAAAAAAAOA/AAAAAAAA4D8AAAAAAADgPwAAAAAAAOA/AAAAAAAA4D8AAAAAAADgPwAAAAAAAOA/AAAAAAAA4D8CAAAAjAAAAAAAAAAAAAAAT4G9DP///wgAAAAAAAAAAAAAAAAAAAAAAAAAAAAAAAAAAAAAZAAAAAEAAABAAAAAAAAAAAAAAAAAAAAAAAAAAAAAAAAAAAAAAAAAAAAAAAAAAAAAAAAAAAAAAAAAAAAAAAAAAAAAAAAAAAAAAAAAAAAAAAAAAAAAAAAAAAAAAAAAAAAAFAAAADwAAAAAAAAAAAAAAAAAAAkUAAAAAQAAABQAAAAUAAAAFAAAAAEAAAAAAAAAZAAAAGQAAAAAAAAAZAAAAGQAAAAVAAAAYAAAAAAAAAAAAAAADwAAACADAAAAAAAAAAAAAAEAAACgMgAAVgcAAKr4//8BAAAAf39/AAEAAABkAAAAAAAAABQAAABAHwAAAAAAACYAAAAAAAAAwOD//wAAAAAmAAAAZAAAABYAAABMAAAAAAAAAAAAAAAEAAAAAAAAAAEAAADu7OEKAAAAACgAAAAoAAAAZAAAAGQAAAAAAAAAzMzMAAAAAABQAAAAUAAAAGQAAABkAAAAAAAAABcAAAAUAAAAAAAAAAAAAAD/fwAA/38AAAAAAAAJAAAABAAAAFRhcmceAAAAaAAAAAAAAAAAAAAAAAAAAAAAAAAAAAAAECcAABAnAAAAAAAAAAAAAAAAAAAAAAAAAAAAAAAAAAAAAAAAAAAAABQAAAAAAAAAwMD/AAAAAABkAAAAMgAAAAAAAABkAAAAAAAAAH9/fwAKAAAAIgAAABgAAAAAAAAAAAAAAAAAAAAAAAAAAAAAAAAAAAAkAAAAJAAAAAAAAAAHAAAAAAAAAAAAAAAAAAAAAAAAAAAAAAAAAAAAf39/ACUAAABYAAAAAAAAAAAAAAAAAAAAAAAAAAAAAAAAAAAAAAAAAAAAAAAAAAAAAAAAAAAAAAA/AAAAAAAAAKCGAQAAAAAAAAAAAAAAAAAMAAAAAQAAAAAAAAAAAAAAAAAAAB8AAABUAAAAAAAABQAAAAEAAAAAAAAAAAAAAAAAAAAAAAAAAAAAAAAAAAAAAAAAAAAAAAJ/f38AAAAAA8zMzADAwP8Af39/AAAAAAAAAAAAAAAAAAAAAAAAAAAAIQAAABgAAAAUAAAAUCgAABonAABwNQAAWSkAABAAAAAmAAAACAAAAAAAAAAAAAAA"/>
+                <pr:smNativeData xmlns:pr="smNativeData" xmlns="smNativeData" val="SMDATA_15_0rbXYhMAAAAlAAAAZAAAAA0AAAAAkAAAAEgAAACQAAAASAAAAAAAAAABAAAAAAAAAAEAAABQAAAAAAAAAAAA4D8AAAAAAADgPwAAAAAAAOA/AAAAAAAA4D8AAAAAAADgPwAAAAAAAOA/AAAAAAAA4D8AAAAAAADgPwAAAAAAAOA/AAAAAAAA4D8CAAAAjAAAAAAAAAAAAAAAT4G9DP///wgAAAAAAAAAAAAAAAAAAAAAAAAAAAAAAAAAAAAAZAAAAAEAAABAAAAAAAAAAAAAAAAAAAAAAAAAAAAAAAAAAAAAAAAAAAAAAAAAAAAAAAAAAAAAAAAAAAAAAAAAAAAAAAAAAAAAAAAAAAAAAAAAAAAAAAAAAAAAAAAAAAAAFAAAADwAAAAAAAAAAAAAAAAAAAkUAAAAAQAAABQAAAAUAAAAFAAAAAEAAAAAAAAAZAAAAGQAAAAAAAAAZAAAAGQAAAAVAAAAYAAAAAAAAAAAAAAADwAAACADAAAAAAAAAAAAAAEAAACgMgAAVgcAAKr4//8BAAAAf39/AAEAAABkAAAAAAAAABQAAABAHwAAAAAAACYAAAAAAAAAwOD//wAAAAAmAAAAZAAAABYAAABMAAAAAAAAAAAAAAAEAAAAAAAAAAEAAADu7OEKAAAAACgAAAAoAAAAZAAAAGQAAAAAAAAAzMzMAAAAAABQAAAAUAAAAGQAAABkAAAAAAAAABcAAAAUAAAAAAAAAAAAAAD/fwAA/38AAAAAAAAJAAAABAAAAFRhcmceAAAAaAAAAAAAAAAAAAAAAAAAAAAAAAAAAAAAECcAABAnAAAAAAAAAAAAAAAAAAAAAAAAAAAAAAAAAAAAAAAAAAAAABQAAAAAAAAAwMD/AAAAAABkAAAAMgAAAAAAAABkAAAAAAAAAH9/fwAKAAAAIgAAABgAAAAAAAAAAAAAAAAAAAAAAAAAAAAAAAAAAAAkAAAAJAAAAAAAAAAHAAAAAAAAAAAAAAAAAAAAAAAAAAAAAAAAAAAAf39/ACUAAABYAAAAAAAAAAAAAAAAAAAAAAAAAAAAAAAAAAAAAAAAAAAAAAAAAAAAAAAAAAAAAAA/AAAAAAAAAKCGAQAAAAAAAAAAAAAAAAAMAAAAAQAAAAAAAAAAAAAAAAAAAB8AAABUAAAAAAAABQAAAAEAAAAAAAAAAAAAAAAAAAAAAAAAAAAAAAAAAAAAAAAAAAAAAAJ/f38AAAAAA8zMzADAwP8Af39/AAAAAAAAAAAAAAAAAAAAAAAAAAAAIQAAABgAAAAUAAAAUCgAABonAABwNQAAWSkAABAAAAAmAAAACAAAAAAAAAAAAAAA"/>
               </a:ext>
             </a:extLst>
           </p:cNvSpPr>
@@ -2206,7 +2207,7 @@
             <a:pPr>
               <a:defRPr lang="fr-fr"/>
             </a:pPr>
-            <a:fld id="{7222AED6-989F-7758-D19A-6E0DE0D4273B}" type="slidenum">
+            <a:fld id="{0AA98EAE-E0E7-FC78-A911-162DC05F5F43}" type="slidenum">
               <a:t>‹#›</a:t>
             </a:fld>
           </a:p>
@@ -2245,7 +2246,7 @@
             <a:spLocks noGrp="1" noChangeArrowheads="1"/>
             <a:extLst>
               <a:ext uri="smNativeData">
-                <pr:smNativeData xmlns:pr="smNativeData" xmlns="smNativeData" val="SMDATA_15_iunWYhMAAAAlAAAAZAAAAA0AAAAAkAAAAEgAAACQAAAASAAAAAAAAAABAAAAAAAAAAEAAABQAAAAAAAAAAAA4D8AAAAAAADgPwAAAAAAAOA/AAAAAAAA4D8AAAAAAADgPwAAAAAAAOA/AAAAAAAA4D8AAAAAAADgPwAAAAAAAOA/AAAAAAAA4D8CAAAAjAAAAAAAAAAAAAAAT4G9DP///wgAAAAAAAAAAAAAAAAAAAAAAAAAAAAAAAAAAAAAZAAAAAEAAABAAAAAAAAAAAAAAAAAAAAAAAAAAAAAAAAAAAAAAAAAAAAAAAAAAAAAAAAAAAAAAAAAAAAAAAAAAAAAAAAAAAAAAAAAAAAAAAAAAAAAAAAAAAAAAAAAAAAAFAAAADwAAAAAAAAAAAAAAAAAAAkUAAAAAQAAABQAAAAUAAAAFAAAAAEAAAAAAAAAZAAAAGQAAAAAAAAAZAAAAGQAAAAVAAAAYAAAAAAAAAAAAAAADwAAACADAAAAAAAAAAAAAAEAAACgMgAAVgcAAKr4//8BAAAAf39/AAEAAABkAAAAAAAAABQAAABAHwAAAAAAACYAAAAAAAAAwOD//wAAAAAmAAAAZAAAABYAAABMAAAAAAAAAAAAAAAEAAAAAAAAAAEAAADu7OEKAAAAACgAAAAoAAAAZAAAAGQAAAAAAAAAzMzMAAAAAABQAAAAUAAAAGQAAABkAAAAAAAAABcAAAAUAAAAAAAAAAAAAAD/fwAA/38AAAAAAAAJAAAABAAAAAAAAAAeAAAAaAAAAAAAAAAAAAAAAAAAAAAAAAAAAAAAECcAABAnAAAAAAAAAAAAAAAAAAAAAAAAAAAAAAAAAAAAAAAAAAAAABQAAAAAAAAAwMD/AAAAAABkAAAAMgAAAAAAAABkAAAAAAAAAH9/fwAKAAAAIgAAABgAAAAAAAAAAAAAAAAAAAAAAAAAAAAAAAAAAAAkAAAAJAAAAAAAAAAHAAAAAAAAAAAAAAAAAAAAAAAAAAAAAAAAAAAAf39/ACUAAABYAAAAAAAAAAAAAAAAAAAAAAAAAAAAAAAAAAAAAAAAAAAAAAAAAAAAAAAAAAAAAAA/AAAAAAAAAKCGAQAAAAAAAAAAAAAAAAAMAAAAAQAAAAAAAAAAAAAAAAAAAB8AAABUAAAAAAAABQAAAAEAAAAAAAAAAAAAAAAAAAAAAAAAAAAAAAAAAAAAAAAAAAAAAAJ/f38AAAAAA8zMzADAwP8Af39/AAAAAAAAAAAAAAAAAAAAAAAAAAAAIQAAABgAAAAUAAAA0AIAALEBAABwNQAAuQgAABAAAAAmAAAACAAAAAAAAAAAAAAA"/>
+                <pr:smNativeData xmlns:pr="smNativeData" xmlns="smNativeData" val="SMDATA_15_0rbXYhMAAAAlAAAAZAAAAA0AAAAAkAAAAEgAAACQAAAASAAAAAAAAAABAAAAAAAAAAEAAABQAAAAAAAAAAAA4D8AAAAAAADgPwAAAAAAAOA/AAAAAAAA4D8AAAAAAADgPwAAAAAAAOA/AAAAAAAA4D8AAAAAAADgPwAAAAAAAOA/AAAAAAAA4D8CAAAAjAAAAAAAAAAAAAAAT4G9DP///wgAAAAAAAAAAAAAAAAAAAAAAAAAAAAAAAAAAAAAZAAAAAEAAABAAAAAAAAAAAAAAAAAAAAAAAAAAAAAAAAAAAAAAAAAAAAAAAAAAAAAAAAAAAAAAAAAAAAAAAAAAAAAAAAAAAAAAAAAAAAAAAAAAAAAAAAAAAAAAAAAAAAAFAAAADwAAAAAAAAAAAAAAAAAAAkUAAAAAQAAABQAAAAUAAAAFAAAAAEAAAAAAAAAZAAAAGQAAAAAAAAAZAAAAGQAAAAVAAAAYAAAAAAAAAAAAAAADwAAACADAAAAAAAAAAAAAAEAAACgMgAAVgcAAKr4//8BAAAAf39/AAEAAABkAAAAAAAAABQAAABAHwAAAAAAACYAAAAAAAAAwOD//wAAAAAmAAAAZAAAABYAAABMAAAAAAAAAAAAAAAEAAAAAAAAAAEAAADu7OEKAAAAACgAAAAoAAAAZAAAAGQAAAAAAAAAzMzMAAAAAABQAAAAUAAAAGQAAABkAAAAAAAAABcAAAAUAAAAAAAAAAAAAAD/fwAA/38AAAAAAAAJAAAABAAAAAAAAAAeAAAAaAAAAAAAAAAAAAAAAAAAAAAAAAAAAAAAECcAABAnAAAAAAAAAAAAAAAAAAAAAAAAAAAAAAAAAAAAAAAAAAAAABQAAAAAAAAAwMD/AAAAAABkAAAAMgAAAAAAAABkAAAAAAAAAH9/fwAKAAAAIgAAABgAAAAAAAAAAAAAAAAAAAAAAAAAAAAAAAAAAAAkAAAAJAAAAAAAAAAHAAAAAAAAAAAAAAAAAAAAAAAAAAAAAAAAAAAAf39/ACUAAABYAAAAAAAAAAAAAAAAAAAAAAAAAAAAAAAAAAAAAAAAAAAAAAAAAAAAAAAAAAAAAAA/AAAAAAAAAKCGAQAAAAAAAAAAAAAAAAAMAAAAAQAAAAAAAAAAAAAAAAAAAB8AAABUAAAAAAAABQAAAAEAAAAAAAAAAAAAAAAAAAAAAAAAAAAAAAAAAAAAAAAAAAAAAAJ/f38AAAAAA8zMzADAwP8Af39/AAAAAAAAAAAAAAAAAAAAAAAAAAAAIQAAABgAAAAUAAAA0AIAALEBAABwNQAAuQgAABAAAAAmAAAACAAAAAAAAAAAAAAA"/>
               </a:ext>
             </a:extLst>
           </p:cNvSpPr>
@@ -2274,7 +2275,7 @@
             <a:spLocks noGrp="1" noChangeArrowheads="1"/>
             <a:extLst>
               <a:ext uri="smNativeData">
-                <pr:smNativeData xmlns:pr="smNativeData" xmlns="smNativeData" val="SMDATA_15_iunWYhMAAAAlAAAAZAAAAA0AAAAAkAAAAEgAAACQAAAASAAAAAAAAAABAAAAAAAAAAEAAABQAAAAAAAAAAAA4D8AAAAAAADgPwAAAAAAAOA/AAAAAAAA4D8AAAAAAADgPwAAAAAAAOA/AAAAAAAA4D8AAAAAAADgPwAAAAAAAOA/AAAAAAAA4D8CAAAAjAAAAAAAAAAAAAAAT4G9DP///wgAAAAAAAAAAAAAAAAAAAAAAAAAAAAAAAAAAAAAZAAAAAEAAABAAAAAAAAAAAAAAAAAAAAAAAAAAAAAAAAAAAAAAAAAAAAAAAAAAAAAAAAAAAAAAAAAAAAAAAAAAAAAAAAAAAAAAAAAAAAAAAAAAAAAAAAAAAAAAAAAAAAAFAAAADwAAAAAAAAAAAAAAAAAAAkUAAAAAQAAABQAAAAUAAAAFAAAAAEAAAAAAAAAZAAAAGQAAAAAAAAAZAAAAGQAAAAVAAAAYAAAAAAAAAAAAAAADwAAACADAAAAAAAAAAAAAAEAAACgMgAAVgcAAKr4//8BAAAAf39/AAEAAABkAAAAAAAAABQAAABAHwAAAAAAACYAAAAAAAAAwOD//wAAAAAmAAAAZAAAABYAAABMAAAAAAAAAAAAAAAEAAAAAAAAAAEAAADu7OEKAAAAACgAAAAoAAAAZAAAAGQAAAAAAAAAzMzMAAAAAABQAAAAUAAAAGQAAABkAAAAAAAAABcAAAAUAAAAAAAAAAAAAAD/fwAA/38AAAAAAAAJAAAABAAAAFRhcmceAAAAaAAAAAAAAAAAAAAAAAAAAAAAAAAAAAAAECcAABAnAAAAAAAAAAAAAAAAAAAAAAAAAAAAAAAAAAAAAAAAAAAAABQAAAAAAAAAwMD/AAAAAABkAAAAMgAAAAAAAABkAAAAAAAAAH9/fwAKAAAAIgAAABgAAAAAAAAAAAAAAAAAAAAAAAAAAAAAAAAAAAAkAAAAJAAAAAAAAAAHAAAAAAAAAAAAAAAAAAAAAAAAAAAAAAAAAAAAf39/ACUAAABYAAAAAAAAAAAAAAAAAAAAAAAAAAAAAAAAAAAAAAAAAAAAAAAAAAAAAAAAAAAAAAA/AAAAAAAAAKCGAQAAAAAAAAAAAAAAAAAMAAAAAQAAAAAAAAAAAAAAAAAAAB8AAABUAAAAAAAABQAAAAEAAAAAAAAAAAAAAAAAAAAAAAAAAAAAAAAAAAAAAAAAAAAAAAJ/f38AAAAAA8zMzADAwP8Af39/AAAAAAAAAAAAAAAAAAAAAAAAAAAAIQAAABgAAAAUAAAA0AIAABonAADwDwAAWSkAABAAAAAmAAAACAAAAAAAAAAAAAAA"/>
+                <pr:smNativeData xmlns:pr="smNativeData" xmlns="smNativeData" val="SMDATA_15_0rbXYhMAAAAlAAAAZAAAAA0AAAAAkAAAAEgAAACQAAAASAAAAAAAAAABAAAAAAAAAAEAAABQAAAAAAAAAAAA4D8AAAAAAADgPwAAAAAAAOA/AAAAAAAA4D8AAAAAAADgPwAAAAAAAOA/AAAAAAAA4D8AAAAAAADgPwAAAAAAAOA/AAAAAAAA4D8CAAAAjAAAAAAAAAAAAAAAT4G9DP///wgAAAAAAAAAAAAAAAAAAAAAAAAAAAAAAAAAAAAAZAAAAAEAAABAAAAAAAAAAAAAAAAAAAAAAAAAAAAAAAAAAAAAAAAAAAAAAAAAAAAAAAAAAAAAAAAAAAAAAAAAAAAAAAAAAAAAAAAAAAAAAAAAAAAAAAAAAAAAAAAAAAAAFAAAADwAAAAAAAAAAAAAAAAAAAkUAAAAAQAAABQAAAAUAAAAFAAAAAEAAAAAAAAAZAAAAGQAAAAAAAAAZAAAAGQAAAAVAAAAYAAAAAAAAAAAAAAADwAAACADAAAAAAAAAAAAAAEAAACgMgAAVgcAAKr4//8BAAAAf39/AAEAAABkAAAAAAAAABQAAABAHwAAAAAAACYAAAAAAAAAwOD//wAAAAAmAAAAZAAAABYAAABMAAAAAAAAAAAAAAAEAAAAAAAAAAEAAADu7OEKAAAAACgAAAAoAAAAZAAAAGQAAAAAAAAAzMzMAAAAAABQAAAAUAAAAGQAAABkAAAAAAAAABcAAAAUAAAAAAAAAAAAAAD/fwAA/38AAAAAAAAJAAAABAAAAFRhcmceAAAAaAAAAAAAAAAAAAAAAAAAAAAAAAAAAAAAECcAABAnAAAAAAAAAAAAAAAAAAAAAAAAAAAAAAAAAAAAAAAAAAAAABQAAAAAAAAAwMD/AAAAAABkAAAAMgAAAAAAAABkAAAAAAAAAH9/fwAKAAAAIgAAABgAAAAAAAAAAAAAAAAAAAAAAAAAAAAAAAAAAAAkAAAAJAAAAAAAAAAHAAAAAAAAAAAAAAAAAAAAAAAAAAAAAAAAAAAAf39/ACUAAABYAAAAAAAAAAAAAAAAAAAAAAAAAAAAAAAAAAAAAAAAAAAAAAAAAAAAAAAAAAAAAAA/AAAAAAAAAKCGAQAAAAAAAAAAAAAAAAAMAAAAAQAAAAAAAAAAAAAAAAAAAB8AAABUAAAAAAAABQAAAAEAAAAAAAAAAAAAAAAAAAAAAAAAAAAAAAAAAAAAAAAAAAAAAAJ/f38AAAAAA8zMzADAwP8Af39/AAAAAAAAAAAAAAAAAAAAAAAAAAAAIQAAABgAAAAUAAAA0AIAABonAADwDwAAWSkAABAAAAAmAAAACAAAAAAAAAAAAAAA"/>
               </a:ext>
             </a:extLst>
           </p:cNvSpPr>
@@ -2290,7 +2291,7 @@
             <a:pPr>
               <a:defRPr lang="fr-fr"/>
             </a:pPr>
-            <a:fld id="{5AE0FD37-79B7-B50B-F958-8F5EB3160FDA}" type="datetime1">
+            <a:fld id="{6B630972-3C86-36FF-C8DB-CAAA47953E9F}" type="datetime1">
               <a:t>1/04/15</a:t>
             </a:fld>
           </a:p>
@@ -2303,7 +2304,7 @@
             <a:spLocks noGrp="1" noChangeArrowheads="1"/>
             <a:extLst>
               <a:ext uri="smNativeData">
-                <pr:smNativeData xmlns:pr="smNativeData" xmlns="smNativeData" val="SMDATA_15_iunWYhMAAAAlAAAAZAAAAA0AAAAAkAAAAEgAAACQAAAASAAAAAAAAAABAAAAAAAAAAEAAABQAAAAAAAAAAAA4D8AAAAAAADgPwAAAAAAAOA/AAAAAAAA4D8AAAAAAADgPwAAAAAAAOA/AAAAAAAA4D8AAAAAAADgPwAAAAAAAOA/AAAAAAAA4D8CAAAAjAAAAAAAAAAAAAAAT4G9DP///wgAAAAAAAAAAAAAAAAAAAAAAAAAAAAAAAAAAAAAZAAAAAEAAABAAAAAAAAAAAAAAAAAAAAAAAAAAAAAAAAAAAAAAAAAAAAAAAAAAAAAAAAAAAAAAAAAAAAAAAAAAAAAAAAAAAAAAAAAAAAAAAAAAAAAAAAAAAAAAAAAAAAAFAAAADwAAAAAAAAAAAAAAAAAAAkUAAAAAQAAABQAAAAUAAAAFAAAAAEAAAAAAAAAZAAAAGQAAAAAAAAAZAAAAGQAAAAVAAAAYAAAAAAAAAAAAAAADwAAACADAAAAAAAAAAAAAAEAAACgMgAAVgcAAKr4//8BAAAAf39/AAEAAABkAAAAAAAAABQAAABAHwAAAAAAACYAAAAAAAAAwOD//wAAAAAmAAAAZAAAABYAAABMAAAAAAAAAAAAAAAEAAAAAAAAAAEAAADu7OEKAAAAACgAAAAoAAAAZAAAAGQAAAAAAAAAzMzMAAAAAABQAAAAUAAAAGQAAABkAAAAAAAAABcAAAAUAAAAAAAAAAAAAAD/fwAA/38AAAAAAAAJAAAABAAAAAAAAAAeAAAAaAAAAAAAAAAAAAAAAAAAAAAAAAAAAAAAECcAABAnAAAAAAAAAAAAAAAAAAAAAAAAAAAAAAAAAAAAAAAAAAAAABQAAAAAAAAAwMD/AAAAAABkAAAAMgAAAAAAAABkAAAAAAAAAH9/fwAKAAAAIgAAABgAAAAAAAAAAAAAAAAAAAAAAAAAAAAAAAAAAAAkAAAAJAAAAAAAAAAHAAAAAAAAAAAAAAAAAAAAAAAAAAAAAAAAAAAAf39/ACUAAABYAAAAAAAAAAAAAAAAAAAAAAAAAAAAAAAAAAAAAAAAAAAAAAAAAAAAAAAAAAAAAAA/AAAAAAAAAKCGAQAAAAAAAAAAAAAAAAAMAAAAAQAAAAAAAAAAAAAAAAAAAB8AAABUAAAAAAAABQAAAAEAAAAAAAAAAAAAAAAAAAAAAAAAAAAAAAAAAAAAAAAAAAAAAAJ/f38AAAAAA8zMzADAwP8Af39/AAAAAAAAAAAAAAAAAAAAAAAAAAAAIQAAABgAAAAUAAAAOBMAABonAAAIJQAAWSkAABAAAAAmAAAACAAAAAAAAAAAAAAA"/>
+                <pr:smNativeData xmlns:pr="smNativeData" xmlns="smNativeData" val="SMDATA_15_0rbXYhMAAAAlAAAAZAAAAA0AAAAAkAAAAEgAAACQAAAASAAAAAAAAAABAAAAAAAAAAEAAABQAAAAAAAAAAAA4D8AAAAAAADgPwAAAAAAAOA/AAAAAAAA4D8AAAAAAADgPwAAAAAAAOA/AAAAAAAA4D8AAAAAAADgPwAAAAAAAOA/AAAAAAAA4D8CAAAAjAAAAAAAAAAAAAAAT4G9DP///wgAAAAAAAAAAAAAAAAAAAAAAAAAAAAAAAAAAAAAZAAAAAEAAABAAAAAAAAAAAAAAAAAAAAAAAAAAAAAAAAAAAAAAAAAAAAAAAAAAAAAAAAAAAAAAAAAAAAAAAAAAAAAAAAAAAAAAAAAAAAAAAAAAAAAAAAAAAAAAAAAAAAAFAAAADwAAAAAAAAAAAAAAAAAAAkUAAAAAQAAABQAAAAUAAAAFAAAAAEAAAAAAAAAZAAAAGQAAAAAAAAAZAAAAGQAAAAVAAAAYAAAAAAAAAAAAAAADwAAACADAAAAAAAAAAAAAAEAAACgMgAAVgcAAKr4//8BAAAAf39/AAEAAABkAAAAAAAAABQAAABAHwAAAAAAACYAAAAAAAAAwOD//wAAAAAmAAAAZAAAABYAAABMAAAAAAAAAAAAAAAEAAAAAAAAAAEAAADu7OEKAAAAACgAAAAoAAAAZAAAAGQAAAAAAAAAzMzMAAAAAABQAAAAUAAAAGQAAABkAAAAAAAAABcAAAAUAAAAAAAAAAAAAAD/fwAA/38AAAAAAAAJAAAABAAAAAAAAAAeAAAAaAAAAAAAAAAAAAAAAAAAAAAAAAAAAAAAECcAABAnAAAAAAAAAAAAAAAAAAAAAAAAAAAAAAAAAAAAAAAAAAAAABQAAAAAAAAAwMD/AAAAAABkAAAAMgAAAAAAAABkAAAAAAAAAH9/fwAKAAAAIgAAABgAAAAAAAAAAAAAAAAAAAAAAAAAAAAAAAAAAAAkAAAAJAAAAAAAAAAHAAAAAAAAAAAAAAAAAAAAAAAAAAAAAAAAAAAAf39/ACUAAABYAAAAAAAAAAAAAAAAAAAAAAAAAAAAAAAAAAAAAAAAAAAAAAAAAAAAAAAAAAAAAAA/AAAAAAAAAKCGAQAAAAAAAAAAAAAAAAAMAAAAAQAAAAAAAAAAAAAAAAAAAB8AAABUAAAAAAAABQAAAAEAAAAAAAAAAAAAAAAAAAAAAAAAAAAAAAAAAAAAAAAAAAAAAAJ/f38AAAAAA8zMzADAwP8Af39/AAAAAAAAAAAAAAAAAAAAAAAAAAAAIQAAABgAAAAUAAAAOBMAABonAAAIJQAAWSkAABAAAAAmAAAACAAAAAAAAAAAAAAA"/>
               </a:ext>
             </a:extLst>
           </p:cNvSpPr>
@@ -2329,7 +2330,7 @@
             <a:spLocks noGrp="1" noChangeArrowheads="1"/>
             <a:extLst>
               <a:ext uri="smNativeData">
-                <pr:smNativeData xmlns:pr="smNativeData" xmlns="smNativeData" val="SMDATA_15_iunWYhMAAAAlAAAAZAAAAA0AAAAAkAAAAEgAAACQAAAASAAAAAAAAAABAAAAAAAAAAEAAABQAAAAAAAAAAAA4D8AAAAAAADgPwAAAAAAAOA/AAAAAAAA4D8AAAAAAADgPwAAAAAAAOA/AAAAAAAA4D8AAAAAAADgPwAAAAAAAOA/AAAAAAAA4D8CAAAAjAAAAAAAAAAAAAAAT4G9DP///wgAAAAAAAAAAAAAAAAAAAAAAAAAAAAAAAAAAAAAZAAAAAEAAABAAAAAAAAAAAAAAAAAAAAAAAAAAAAAAAAAAAAAAAAAAAAAAAAAAAAAAAAAAAAAAAAAAAAAAAAAAAAAAAAAAAAAAAAAAAAAAAAAAAAAAAAAAAAAAAAAAAAAFAAAADwAAAAAAAAAAAAAAAAAAAkUAAAAAQAAABQAAAAUAAAAFAAAAAEAAAAAAAAAZAAAAGQAAAAAAAAAZAAAAGQAAAAVAAAAYAAAAAAAAAAAAAAADwAAACADAAAAAAAAAAAAAAEAAACgMgAAVgcAAKr4//8BAAAAf39/AAEAAABkAAAAAAAAABQAAABAHwAAAAAAACYAAAAAAAAAwOD//wAAAAAmAAAAZAAAABYAAABMAAAAAAAAAAAAAAAEAAAAAAAAAAEAAADu7OEKAAAAACgAAAAoAAAAZAAAAGQAAAAAAAAAzMzMAAAAAABQAAAAUAAAAGQAAABkAAAAAAAAABcAAAAUAAAAAAAAAAAAAAD/fwAA/38AAAAAAAAJAAAABAAAAFRhcmceAAAAaAAAAAAAAAAAAAAAAAAAAAAAAAAAAAAAECcAABAnAAAAAAAAAAAAAAAAAAAAAAAAAAAAAAAAAAAAAAAAAAAAABQAAAAAAAAAwMD/AAAAAABkAAAAMgAAAAAAAABkAAAAAAAAAH9/fwAKAAAAIgAAABgAAAAAAAAAAAAAAAAAAAAAAAAAAAAAAAAAAAAkAAAAJAAAAAAAAAAHAAAAAAAAAAAAAAAAAAAAAAAAAAAAAAAAAAAAf39/ACUAAABYAAAAAAAAAAAAAAAAAAAAAAAAAAAAAAAAAAAAAAAAAAAAAAAAAAAAAAAAAAAAAAA/AAAAAAAAAKCGAQAAAAAAAAAAAAAAAAAMAAAAAQAAAAAAAAAAAAAAAAAAAB8AAABUAAAAAAAABQAAAAEAAAAAAAAAAAAAAAAAAAAAAAAAAAAAAAAAAAAAAAAAAAAAAAJ/f38AAAAAA8zMzADAwP8Af39/AAAAAAAAAAAAAAAAAAAAAAAAAAAAIQAAABgAAAAUAAAAUCgAABonAABwNQAAWSkAABAAAAAmAAAACAAAAAAAAAAAAAAA"/>
+                <pr:smNativeData xmlns:pr="smNativeData" xmlns="smNativeData" val="SMDATA_15_0rbXYhMAAAAlAAAAZAAAAA0AAAAAkAAAAEgAAACQAAAASAAAAAAAAAABAAAAAAAAAAEAAABQAAAAAAAAAAAA4D8AAAAAAADgPwAAAAAAAOA/AAAAAAAA4D8AAAAAAADgPwAAAAAAAOA/AAAAAAAA4D8AAAAAAADgPwAAAAAAAOA/AAAAAAAA4D8CAAAAjAAAAAAAAAAAAAAAT4G9DP///wgAAAAAAAAAAAAAAAAAAAAAAAAAAAAAAAAAAAAAZAAAAAEAAABAAAAAAAAAAAAAAAAAAAAAAAAAAAAAAAAAAAAAAAAAAAAAAAAAAAAAAAAAAAAAAAAAAAAAAAAAAAAAAAAAAAAAAAAAAAAAAAAAAAAAAAAAAAAAAAAAAAAAFAAAADwAAAAAAAAAAAAAAAAAAAkUAAAAAQAAABQAAAAUAAAAFAAAAAEAAAAAAAAAZAAAAGQAAAAAAAAAZAAAAGQAAAAVAAAAYAAAAAAAAAAAAAAADwAAACADAAAAAAAAAAAAAAEAAACgMgAAVgcAAKr4//8BAAAAf39/AAEAAABkAAAAAAAAABQAAABAHwAAAAAAACYAAAAAAAAAwOD//wAAAAAmAAAAZAAAABYAAABMAAAAAAAAAAAAAAAEAAAAAAAAAAEAAADu7OEKAAAAACgAAAAoAAAAZAAAAGQAAAAAAAAAzMzMAAAAAABQAAAAUAAAAGQAAABkAAAAAAAAABcAAAAUAAAAAAAAAAAAAAD/fwAA/38AAAAAAAAJAAAABAAAAFRhcmceAAAAaAAAAAAAAAAAAAAAAAAAAAAAAAAAAAAAECcAABAnAAAAAAAAAAAAAAAAAAAAAAAAAAAAAAAAAAAAAAAAAAAAABQAAAAAAAAAwMD/AAAAAABkAAAAMgAAAAAAAABkAAAAAAAAAH9/fwAKAAAAIgAAABgAAAAAAAAAAAAAAAAAAAAAAAAAAAAAAAAAAAAkAAAAJAAAAAAAAAAHAAAAAAAAAAAAAAAAAAAAAAAAAAAAAAAAAAAAf39/ACUAAABYAAAAAAAAAAAAAAAAAAAAAAAAAAAAAAAAAAAAAAAAAAAAAAAAAAAAAAAAAAAAAAA/AAAAAAAAAKCGAQAAAAAAAAAAAAAAAAAMAAAAAQAAAAAAAAAAAAAAAAAAAB8AAABUAAAAAAAABQAAAAEAAAAAAAAAAAAAAAAAAAAAAAAAAAAAAAAAAAAAAAAAAAAAAAJ/f38AAAAAA8zMzADAwP8Af39/AAAAAAAAAAAAAAAAAAAAAAAAAAAAIQAAABgAAAAUAAAAUCgAABonAABwNQAAWSkAABAAAAAmAAAACAAAAAAAAAAAAAAA"/>
               </a:ext>
             </a:extLst>
           </p:cNvSpPr>
@@ -2345,7 +2346,7 @@
             <a:pPr>
               <a:defRPr lang="fr-fr"/>
             </a:pPr>
-            <a:fld id="{3ABFD495-DBD7-EA22-9907-2D779A496F78}" type="slidenum">
+            <a:fld id="{19CA499C-D2F4-9FBF-BA72-24EA073C4C71}" type="slidenum">
               <a:t>‹#›</a:t>
             </a:fld>
           </a:p>
@@ -2384,7 +2385,7 @@
             <a:spLocks noGrp="1" noChangeArrowheads="1"/>
             <a:extLst>
               <a:ext uri="smNativeData">
-                <pr:smNativeData xmlns:pr="smNativeData" xmlns="smNativeData" val="SMDATA_15_iunWYhMAAAAlAAAAZAAAAA0AAAAAkAAAAEgAAACQAAAASAAAAAAAAAABAAAAAAAAAAEAAABQAAAAAAAAAAAA4D8AAAAAAADgPwAAAAAAAOA/AAAAAAAA4D8AAAAAAADgPwAAAAAAAOA/AAAAAAAA4D8AAAAAAADgPwAAAAAAAOA/AAAAAAAA4D8CAAAAjAAAAAAAAAAAAAAAT4G9DP///wgAAAAAAAAAAAAAAAAAAAAAAAAAAAAAAAAAAAAAZAAAAAEAAABAAAAAAAAAAAAAAAAAAAAAAAAAAAAAAAAAAAAAAAAAAAAAAAAAAAAAAAAAAAAAAAAAAAAAAAAAAAAAAAAAAAAAAAAAAAAAAAAAAAAAAAAAAAAAAAAAAAAAFAAAADwAAAAAAAAAAAAAAAAAAAkUAAAAAQAAABQAAAAUAAAAFAAAAAEAAAAAAAAAZAAAAGQAAAAAAAAAZAAAAGQAAAAVAAAAYAAAAAAAAAAAAAAADwAAACADAAAAAAAAAAAAAAEAAACgMgAAVgcAAKr4//8BAAAAf39/AAEAAABkAAAAAAAAABQAAABAHwAAAAAAACYAAAAAAAAAwOD//wAAAAAmAAAAZAAAABYAAABMAAAAAAAAAAAAAAAEAAAAAAAAAAEAAADu7OEKAAAAACgAAAAoAAAAZAAAAGQAAAAAAAAAzMzMAAAAAABQAAAAUAAAAGQAAABkAAAAAAAAABcAAAAUAAAAAAAAAAAAAAD/fwAA/38AAAAAAAAJAAAABAAAAAAAAAAeAAAAaAAAAAAAAAAAAAAAAAAAAAAAAAAAAAAAECcAABAnAAAAAAAAAAAAAAAAAAAAAAAAAAAAAAAAAAAAAAAAAAAAABQAAAAAAAAAwMD/AAAAAABkAAAAMgAAAAAAAABkAAAAAAAAAH9/fwAKAAAAIgAAABgAAAAAAAAAAAAAAAAAAAAAAAAAAAAAAAAAAAAkAAAAJAAAAAAAAAAHAAAAAAAAAAAAAAAAAAAAAAAAAAAAAAAAAAAAf39/ACUAAABYAAAAAAAAAAAAAAAAAAAAAAAAAAAAAAAAAAAAAAAAAAAAAAAAAAAAAAAAAAAAAAA/AAAAAAAAAKCGAQAAAAAAAAAAAAAAAAAMAAAAAQAAAAAAAAAAAAAAAAAAAB8AAABUAAAAAAAABQAAAAEAAAAAAAAAAAAAAAAAAAAAAAAAAAAAAAAAAAAAAAAAAAAAAAJ/f38AAAAAA8zMzADAwP8Af39/AAAAAAAAAAAAAAAAAAAAAAAAAAAAIQAAABgAAAAUAAAA0AIAABonAADwDwAAWSkAABAAAAAmAAAACAAAAAAAAAAAAAAA"/>
+                <pr:smNativeData xmlns:pr="smNativeData" xmlns="smNativeData" val="SMDATA_15_0rbXYhMAAAAlAAAAZAAAAA0AAAAAkAAAAEgAAACQAAAASAAAAAAAAAABAAAAAAAAAAEAAABQAAAAAAAAAAAA4D8AAAAAAADgPwAAAAAAAOA/AAAAAAAA4D8AAAAAAADgPwAAAAAAAOA/AAAAAAAA4D8AAAAAAADgPwAAAAAAAOA/AAAAAAAA4D8CAAAAjAAAAAAAAAAAAAAAT4G9DP///wgAAAAAAAAAAAAAAAAAAAAAAAAAAAAAAAAAAAAAZAAAAAEAAABAAAAAAAAAAAAAAAAAAAAAAAAAAAAAAAAAAAAAAAAAAAAAAAAAAAAAAAAAAAAAAAAAAAAAAAAAAAAAAAAAAAAAAAAAAAAAAAAAAAAAAAAAAAAAAAAAAAAAFAAAADwAAAAAAAAAAAAAAAAAAAkUAAAAAQAAABQAAAAUAAAAFAAAAAEAAAAAAAAAZAAAAGQAAAAAAAAAZAAAAGQAAAAVAAAAYAAAAAAAAAAAAAAADwAAACADAAAAAAAAAAAAAAEAAACgMgAAVgcAAKr4//8BAAAAf39/AAEAAABkAAAAAAAAABQAAABAHwAAAAAAACYAAAAAAAAAwOD//wAAAAAmAAAAZAAAABYAAABMAAAAAAAAAAAAAAAEAAAAAAAAAAEAAADu7OEKAAAAACgAAAAoAAAAZAAAAGQAAAAAAAAAzMzMAAAAAABQAAAAUAAAAGQAAABkAAAAAAAAABcAAAAUAAAAAAAAAAAAAAD/fwAA/38AAAAAAAAJAAAABAAAAAAAAAAeAAAAaAAAAAAAAAAAAAAAAAAAAAAAAAAAAAAAECcAABAnAAAAAAAAAAAAAAAAAAAAAAAAAAAAAAAAAAAAAAAAAAAAABQAAAAAAAAAwMD/AAAAAABkAAAAMgAAAAAAAABkAAAAAAAAAH9/fwAKAAAAIgAAABgAAAAAAAAAAAAAAAAAAAAAAAAAAAAAAAAAAAAkAAAAJAAAAAAAAAAHAAAAAAAAAAAAAAAAAAAAAAAAAAAAAAAAAAAAf39/ACUAAABYAAAAAAAAAAAAAAAAAAAAAAAAAAAAAAAAAAAAAAAAAAAAAAAAAAAAAAAAAAAAAAA/AAAAAAAAAKCGAQAAAAAAAAAAAAAAAAAMAAAAAQAAAAAAAAAAAAAAAAAAAB8AAABUAAAAAAAABQAAAAEAAAAAAAAAAAAAAAAAAAAAAAAAAAAAAAAAAAAAAAAAAAAAAAJ/f38AAAAAA8zMzADAwP8Af39/AAAAAAAAAAAAAAAAAAAAAAAAAAAAIQAAABgAAAAUAAAA0AIAABonAADwDwAAWSkAABAAAAAmAAAACAAAAAAAAAAAAAAA"/>
               </a:ext>
             </a:extLst>
           </p:cNvSpPr>
@@ -2400,7 +2401,7 @@
             <a:pPr>
               <a:defRPr lang="fr-fr"/>
             </a:pPr>
-            <a:fld id="{11BF6E9B-D5FC-EA98-B207-23CD20494476}" type="datetime1">
+            <a:fld id="{4124BEE5-ABAC-7148-E29C-5D1DF0D21408}" type="datetime1">
               <a:t>1/04/15</a:t>
             </a:fld>
           </a:p>
@@ -2413,7 +2414,7 @@
             <a:spLocks noGrp="1" noChangeArrowheads="1"/>
             <a:extLst>
               <a:ext uri="smNativeData">
-                <pr:smNativeData xmlns:pr="smNativeData" xmlns="smNativeData" val="SMDATA_15_iunWYhMAAAAlAAAAZAAAAA0AAAAAkAAAAEgAAACQAAAASAAAAAAAAAABAAAAAAAAAAEAAABQAAAAAAAAAAAA4D8AAAAAAADgPwAAAAAAAOA/AAAAAAAA4D8AAAAAAADgPwAAAAAAAOA/AAAAAAAA4D8AAAAAAADgPwAAAAAAAOA/AAAAAAAA4D8CAAAAjAAAAAAAAAAAAAAAT4G9DP///wgAAAAAAAAAAAAAAAAAAAAAAAAAAAAAAAAAAAAAZAAAAAEAAABAAAAAAAAAAAAAAAAAAAAAAAAAAAAAAAAAAAAAAAAAAAAAAAAAAAAAAAAAAAAAAAAAAAAAAAAAAAAAAAAAAAAAAAAAAAAAAAAAAAAAAAAAAAAAAAAAAAAAFAAAADwAAAAAAAAAAAAAAAAAAAkUAAAAAQAAABQAAAAUAAAAFAAAAAEAAAAAAAAAZAAAAGQAAAAAAAAAZAAAAGQAAAAVAAAAYAAAAAAAAAAAAAAADwAAACADAAAAAAAAAAAAAAEAAACgMgAAVgcAAKr4//8BAAAAf39/AAEAAABkAAAAAAAAABQAAABAHwAAAAAAACYAAAAAAAAAwOD//wAAAAAmAAAAZAAAABYAAABMAAAAAAAAAAAAAAAEAAAAAAAAAAEAAADu7OEKAAAAACgAAAAoAAAAZAAAAGQAAAAAAAAAzMzMAAAAAABQAAAAUAAAAGQAAABkAAAAAAAAABcAAAAUAAAAAAAAAAAAAAD/fwAA/38AAAAAAAAJAAAABAAAAD7o2aweAAAAaAAAAAAAAAAAAAAAAAAAAAAAAAAAAAAAECcAABAnAAAAAAAAAAAAAAAAAAAAAAAAAAAAAAAAAAAAAAAAAAAAABQAAAAAAAAAwMD/AAAAAABkAAAAMgAAAAAAAABkAAAAAAAAAH9/fwAKAAAAIgAAABgAAAAAAAAAAAAAAAAAAAAAAAAAAAAAAAAAAAAkAAAAJAAAAAAAAAAHAAAAAAAAAAAAAAAAAAAAAAAAAAAAAAAAAAAAf39/ACUAAABYAAAAAAAAAAAAAAAAAAAAAAAAAAAAAAAAAAAAAAAAAAAAAAAAAAAAAAAAAAAAAAA/AAAAAAAAAKCGAQAAAAAAAAAAAAAAAAAMAAAAAQAAAAAAAAAAAAAAAAAAAB8AAABUAAAAAAAABQAAAAEAAAAAAAAAAAAAAAAAAAAAAAAAAAAAAAAAAAAAAAAAAAAAAAJ/f38AAAAAA8zMzADAwP8Af39/AAAAAAAAAAAAAAAAAAAAAAAAAAAAIQAAABgAAAAUAAAAOBMAABonAAAIJQAAWSkAABAAAAAmAAAACAAAAAAAAAAAAAAA"/>
+                <pr:smNativeData xmlns:pr="smNativeData" xmlns="smNativeData" val="SMDATA_15_0rbXYhMAAAAlAAAAZAAAAA0AAAAAkAAAAEgAAACQAAAASAAAAAAAAAABAAAAAAAAAAEAAABQAAAAAAAAAAAA4D8AAAAAAADgPwAAAAAAAOA/AAAAAAAA4D8AAAAAAADgPwAAAAAAAOA/AAAAAAAA4D8AAAAAAADgPwAAAAAAAOA/AAAAAAAA4D8CAAAAjAAAAAAAAAAAAAAAT4G9DP///wgAAAAAAAAAAAAAAAAAAAAAAAAAAAAAAAAAAAAAZAAAAAEAAABAAAAAAAAAAAAAAAAAAAAAAAAAAAAAAAAAAAAAAAAAAAAAAAAAAAAAAAAAAAAAAAAAAAAAAAAAAAAAAAAAAAAAAAAAAAAAAAAAAAAAAAAAAAAAAAAAAAAAFAAAADwAAAAAAAAAAAAAAAAAAAkUAAAAAQAAABQAAAAUAAAAFAAAAAEAAAAAAAAAZAAAAGQAAAAAAAAAZAAAAGQAAAAVAAAAYAAAAAAAAAAAAAAADwAAACADAAAAAAAAAAAAAAEAAACgMgAAVgcAAKr4//8BAAAAf39/AAEAAABkAAAAAAAAABQAAABAHwAAAAAAACYAAAAAAAAAwOD//wAAAAAmAAAAZAAAABYAAABMAAAAAAAAAAAAAAAEAAAAAAAAAAEAAADu7OEKAAAAACgAAAAoAAAAZAAAAGQAAAAAAAAAzMzMAAAAAABQAAAAUAAAAGQAAABkAAAAAAAAABcAAAAUAAAAAAAAAAAAAAD/fwAA/38AAAAAAAAJAAAABAAAAD7o2aweAAAAaAAAAAAAAAAAAAAAAAAAAAAAAAAAAAAAECcAABAnAAAAAAAAAAAAAAAAAAAAAAAAAAAAAAAAAAAAAAAAAAAAABQAAAAAAAAAwMD/AAAAAABkAAAAMgAAAAAAAABkAAAAAAAAAH9/fwAKAAAAIgAAABgAAAAAAAAAAAAAAAAAAAAAAAAAAAAAAAAAAAAkAAAAJAAAAAAAAAAHAAAAAAAAAAAAAAAAAAAAAAAAAAAAAAAAAAAAf39/ACUAAABYAAAAAAAAAAAAAAAAAAAAAAAAAAAAAAAAAAAAAAAAAAAAAAAAAAAAAAAAAAAAAAA/AAAAAAAAAKCGAQAAAAAAAAAAAAAAAAAMAAAAAQAAAAAAAAAAAAAAAAAAAB8AAABUAAAAAAAABQAAAAEAAAAAAAAAAAAAAAAAAAAAAAAAAAAAAAAAAAAAAAAAAAAAAAJ/f38AAAAAA8zMzADAwP8Af39/AAAAAAAAAAAAAAAAAAAAAAAAAAAAIQAAABgAAAAUAAAAOBMAABonAAAIJQAAWSkAABAAAAAmAAAACAAAAAAAAAAAAAAA"/>
               </a:ext>
             </a:extLst>
           </p:cNvSpPr>
@@ -2439,7 +2440,7 @@
             <a:spLocks noGrp="1" noChangeArrowheads="1"/>
             <a:extLst>
               <a:ext uri="smNativeData">
-                <pr:smNativeData xmlns:pr="smNativeData" xmlns="smNativeData" val="SMDATA_15_iunWYhMAAAAlAAAAZAAAAA0AAAAAkAAAAEgAAACQAAAASAAAAAAAAAABAAAAAAAAAAEAAABQAAAAAAAAAAAA4D8AAAAAAADgPwAAAAAAAOA/AAAAAAAA4D8AAAAAAADgPwAAAAAAAOA/AAAAAAAA4D8AAAAAAADgPwAAAAAAAOA/AAAAAAAA4D8CAAAAjAAAAAAAAAAAAAAAT4G9DP///wgAAAAAAAAAAAAAAAAAAAAAAAAAAAAAAAAAAAAAZAAAAAEAAABAAAAAAAAAAAAAAAAAAAAAAAAAAAAAAAAAAAAAAAAAAAAAAAAAAAAAAAAAAAAAAAAAAAAAAAAAAAAAAAAAAAAAAAAAAAAAAAAAAAAAAAAAAAAAAAAAAAAAFAAAADwAAAAAAAAAAAAAAAAAAAkUAAAAAQAAABQAAAAUAAAAFAAAAAEAAAAAAAAAZAAAAGQAAAAAAAAAZAAAAGQAAAAVAAAAYAAAAAAAAAAAAAAADwAAACADAAAAAAAAAAAAAAEAAACgMgAAVgcAAKr4//8BAAAAf39/AAEAAABkAAAAAAAAABQAAABAHwAAAAAAACYAAAAAAAAAwOD//wAAAAAmAAAAZAAAABYAAABMAAAAAAAAAAAAAAAEAAAAAAAAAAEAAADu7OEKAAAAACgAAAAoAAAAZAAAAGQAAAAAAAAAzMzMAAAAAABQAAAAUAAAAGQAAABkAAAAAAAAABcAAAAUAAAAAAAAAAAAAAD/fwAA/38AAAAAAAAJAAAABAAAAFRhcmceAAAAaAAAAAAAAAAAAAAAAAAAAAAAAAAAAAAAECcAABAnAAAAAAAAAAAAAAAAAAAAAAAAAAAAAAAAAAAAAAAAAAAAABQAAAAAAAAAwMD/AAAAAABkAAAAMgAAAAAAAABkAAAAAAAAAH9/fwAKAAAAIgAAABgAAAAAAAAAAAAAAAAAAAAAAAAAAAAAAAAAAAAkAAAAJAAAAAAAAAAHAAAAAAAAAAAAAAAAAAAAAAAAAAAAAAAAAAAAf39/ACUAAABYAAAAAAAAAAAAAAAAAAAAAAAAAAAAAAAAAAAAAAAAAAAAAAAAAAAAAAAAAAAAAAA/AAAAAAAAAKCGAQAAAAAAAAAAAAAAAAAMAAAAAQAAAAAAAAAAAAAAAAAAAB8AAABUAAAAAAAABQAAAAEAAAAAAAAAAAAAAAAAAAAAAAAAAAAAAAAAAAAAAAAAAAAAAAJ/f38AAAAAA8zMzADAwP8Af39/AAAAAAAAAAAAAAAAAAAAAAAAAAAAIQAAABgAAAAUAAAAUCgAABonAABwNQAAWSkAABAAAAAmAAAACAAAAAAAAAAAAAAA"/>
+                <pr:smNativeData xmlns:pr="smNativeData" xmlns="smNativeData" val="SMDATA_15_0rbXYhMAAAAlAAAAZAAAAA0AAAAAkAAAAEgAAACQAAAASAAAAAAAAAABAAAAAAAAAAEAAABQAAAAAAAAAAAA4D8AAAAAAADgPwAAAAAAAOA/AAAAAAAA4D8AAAAAAADgPwAAAAAAAOA/AAAAAAAA4D8AAAAAAADgPwAAAAAAAOA/AAAAAAAA4D8CAAAAjAAAAAAAAAAAAAAAT4G9DP///wgAAAAAAAAAAAAAAAAAAAAAAAAAAAAAAAAAAAAAZAAAAAEAAABAAAAAAAAAAAAAAAAAAAAAAAAAAAAAAAAAAAAAAAAAAAAAAAAAAAAAAAAAAAAAAAAAAAAAAAAAAAAAAAAAAAAAAAAAAAAAAAAAAAAAAAAAAAAAAAAAAAAAFAAAADwAAAAAAAAAAAAAAAAAAAkUAAAAAQAAABQAAAAUAAAAFAAAAAEAAAAAAAAAZAAAAGQAAAAAAAAAZAAAAGQAAAAVAAAAYAAAAAAAAAAAAAAADwAAACADAAAAAAAAAAAAAAEAAACgMgAAVgcAAKr4//8BAAAAf39/AAEAAABkAAAAAAAAABQAAABAHwAAAAAAACYAAAAAAAAAwOD//wAAAAAmAAAAZAAAABYAAABMAAAAAAAAAAAAAAAEAAAAAAAAAAEAAADu7OEKAAAAACgAAAAoAAAAZAAAAGQAAAAAAAAAzMzMAAAAAABQAAAAUAAAAGQAAABkAAAAAAAAABcAAAAUAAAAAAAAAAAAAAD/fwAA/38AAAAAAAAJAAAABAAAAFRhcmceAAAAaAAAAAAAAAAAAAAAAAAAAAAAAAAAAAAAECcAABAnAAAAAAAAAAAAAAAAAAAAAAAAAAAAAAAAAAAAAAAAAAAAABQAAAAAAAAAwMD/AAAAAABkAAAAMgAAAAAAAABkAAAAAAAAAH9/fwAKAAAAIgAAABgAAAAAAAAAAAAAAAAAAAAAAAAAAAAAAAAAAAAkAAAAJAAAAAAAAAAHAAAAAAAAAAAAAAAAAAAAAAAAAAAAAAAAAAAAf39/ACUAAABYAAAAAAAAAAAAAAAAAAAAAAAAAAAAAAAAAAAAAAAAAAAAAAAAAAAAAAAAAAAAAAA/AAAAAAAAAKCGAQAAAAAAAAAAAAAAAAAMAAAAAQAAAAAAAAAAAAAAAAAAAB8AAABUAAAAAAAABQAAAAEAAAAAAAAAAAAAAAAAAAAAAAAAAAAAAAAAAAAAAAAAAAAAAAJ/f38AAAAAA8zMzADAwP8Af39/AAAAAAAAAAAAAAAAAAAAAAAAAAAAIQAAABgAAAAUAAAAUCgAABonAABwNQAAWSkAABAAAAAmAAAACAAAAAAAAAAAAAAA"/>
               </a:ext>
             </a:extLst>
           </p:cNvSpPr>
@@ -2455,7 +2456,7 @@
             <a:pPr>
               <a:defRPr lang="fr-fr"/>
             </a:pPr>
-            <a:fld id="{5AA8D02D-63B7-FD26-F910-95739E5E0FC0}" type="slidenum">
+            <a:fld id="{1D312D3E-70F0-64DB-BE89-868E63C748D3}" type="slidenum">
               <a:t>‹#›</a:t>
             </a:fld>
           </a:p>
@@ -2494,7 +2495,7 @@
             <a:spLocks noGrp="1" noChangeArrowheads="1"/>
             <a:extLst>
               <a:ext uri="smNativeData">
-                <pr:smNativeData xmlns:pr="smNativeData" xmlns="smNativeData" val="SMDATA_15_iunWYhMAAAAlAAAAZAAAAA0AAAAAkAAAAEgAAACQAAAASAAAAAAAAAACAAAAAAAAAAEAAABQAAAAAAAAAAAA4D8AAAAAAADgPwAAAAAAAOA/AAAAAAAA4D8AAAAAAADgPwAAAAAAAOA/AAAAAAAA4D8AAAAAAADgPwAAAAAAAOA/AAAAAAAA4D8CAAAAjAAAAAAAAAAAAAAAT4G9DP///wgAAAAAAAAAAAAAAAAAAAAAAAAAAAAAAAAAAAAAZAAAAAEAAABAAAAAAAAAAAAAAAAAAAAAAAAAAAAAAAAAAAAAAAAAAAAAAAAAAAAAAAAAAAAAAAAAAAAAAAAAAAAAAAAAAAAAAAAAAAAAAAAAAAAAAAAAAAAAAAAAAAAAFAAAADwAAAAAAAAAAAAAAAAAAAkUAAAAAQAAABQAAAAUAAAAFAAAAAEAAAAAAAAAZAAAAGQAAAAAAAAAZAAAAGQAAAAVAAAAYAAAAAAAAAAAAAAADwAAACADAAAAAAAAAAAAAAEAAACgMgAAVgcAAKr4//8BAAAAf39/AAEAAABkAAAAAAAAABQAAABAHwAAAAAAACYAAAAAAAAAwOD//wAAAAAmAAAAZAAAABYAAABMAAAAAAAAAAAAAAAEAAAAAAAAAAEAAADu7OEKAAAAACgAAAAoAAAAZAAAAGQAAAAAAAAAzMzMAAAAAABQAAAAUAAAAGQAAABkAAAAAAAAABcAAAAUAAAAAAAAAAAAAAD/fwAA/38AAAAAAAAJAAAABAAAACBgyAIeAAAAaAAAAAAAAAAAAAAAAAAAAAAAAAAAAAAAECcAABAnAAAAAAAAAAAAAAAAAAAAAAAAAAAAAAAAAAAAAAAAAAAAABQAAAAAAAAAwMD/AAAAAABkAAAAMgAAAAAAAABkAAAAAAAAAH9/fwAKAAAAIgAAABgAAAAAAAAAAAAAAAAAAAAAAAAAAAAAAAAAAAAkAAAAJAAAAAAAAAAHAAAAAAAAAAAAAAAAAAAAAAAAAAAAAAAAAAAAf39/ACUAAABYAAAAAAAAAAAAAAAAAAAAAAAAAAAAAAAAAAAAAAAAAAAAAAAAAAAAAAAAAAAAAAA/AAAAAAAAAKCGAQAAAAAAAAAAAAAAAAAMAAAAAQAAAAAAAAAAAAAAAAAAAB8AAABUAAAAAAAABQAAAAEAAAAAAAAAAAAAAAAAAAAAAAAAAAAAAAAAAAAAAAAAAAAAAAJ/f38AAAAAA8zMzADAwP8Af39/AAAAAAAAAAAAAAAAAAAAAAAAAAAAIQAAABgAAAAUAAAA0AIAAK4BAABSFQAA1AgAABAAAAAmAAAACAAAAIGAAAAAAAAA"/>
+                <pr:smNativeData xmlns:pr="smNativeData" xmlns="smNativeData" val="SMDATA_15_0rbXYhMAAAAlAAAAZAAAAA0AAAAAkAAAAEgAAACQAAAASAAAAAAAAAACAAAAAAAAAAEAAABQAAAAAAAAAAAA4D8AAAAAAADgPwAAAAAAAOA/AAAAAAAA4D8AAAAAAADgPwAAAAAAAOA/AAAAAAAA4D8AAAAAAADgPwAAAAAAAOA/AAAAAAAA4D8CAAAAjAAAAAAAAAAAAAAAT4G9DP///wgAAAAAAAAAAAAAAAAAAAAAAAAAAAAAAAAAAAAAZAAAAAEAAABAAAAAAAAAAAAAAAAAAAAAAAAAAAAAAAAAAAAAAAAAAAAAAAAAAAAAAAAAAAAAAAAAAAAAAAAAAAAAAAAAAAAAAAAAAAAAAAAAAAAAAAAAAAAAAAAAAAAAFAAAADwAAAAAAAAAAAAAAAAAAAkUAAAAAQAAABQAAAAUAAAAFAAAAAEAAAAAAAAAZAAAAGQAAAAAAAAAZAAAAGQAAAAVAAAAYAAAAAAAAAAAAAAADwAAACADAAAAAAAAAAAAAAEAAACgMgAAVgcAAKr4//8BAAAAf39/AAEAAABkAAAAAAAAABQAAABAHwAAAAAAACYAAAAAAAAAwOD//wAAAAAmAAAAZAAAABYAAABMAAAAAAAAAAAAAAAEAAAAAAAAAAEAAADu7OEKAAAAACgAAAAoAAAAZAAAAGQAAAAAAAAAzMzMAAAAAABQAAAAUAAAAGQAAABkAAAAAAAAABcAAAAUAAAAAAAAAAAAAAD/fwAA/38AAAAAAAAJAAAABAAAACBgyAIeAAAAaAAAAAAAAAAAAAAAAAAAAAAAAAAAAAAAECcAABAnAAAAAAAAAAAAAAAAAAAAAAAAAAAAAAAAAAAAAAAAAAAAABQAAAAAAAAAwMD/AAAAAABkAAAAMgAAAAAAAABkAAAAAAAAAH9/fwAKAAAAIgAAABgAAAAAAAAAAAAAAAAAAAAAAAAAAAAAAAAAAAAkAAAAJAAAAAAAAAAHAAAAAAAAAAAAAAAAAAAAAAAAAAAAAAAAAAAAf39/ACUAAABYAAAAAAAAAAAAAAAAAAAAAAAAAAAAAAAAAAAAAAAAAAAAAAAAAAAAAAAAAAAAAAA/AAAAAAAAAKCGAQAAAAAAAAAAAAAAAAAMAAAAAQAAAAAAAAAAAAAAAAAAAB8AAABUAAAAAAAABQAAAAEAAAAAAAAAAAAAAAAAAAAAAAAAAAAAAAAAAAAAAAAAAAAAAAJ/f38AAAAAA8zMzADAwP8Af39/AAAAAAAAAAAAAAAAAAAAAAAAAAAAIQAAABgAAAAUAAAA0AIAAK4BAABSFQAA1AgAABAAAAAmAAAACAAAAIGAAAAAAAAA"/>
               </a:ext>
             </a:extLst>
           </p:cNvSpPr>
@@ -2560,7 +2561,7 @@
             <a:spLocks noGrp="1" noChangeArrowheads="1"/>
             <a:extLst>
               <a:ext uri="smNativeData">
-                <pr:smNativeData xmlns:pr="smNativeData" xmlns="smNativeData" val="SMDATA_15_iunWYhMAAAAlAAAAZAAAAA0AAAAAkAAAAEgAAACQAAAASAAAAAAAAAAAAAAAAAAAAAEAAABQAAAAAAAAAAAA4D8AAAAAAADgPwAAAAAAAOA/AAAAAAAA4D8AAAAAAADgPwAAAAAAAOA/AAAAAAAA4D8AAAAAAADgPwAAAAAAAOA/AAAAAAAA4D8CAAAAjAAAAAAAAAAAAAAAT4G9DP///wgAAAAAAAAAAAAAAAAAAAAAAAAAAAAAAAAAAAAAZAAAAAEAAABAAAAAAAAAAAAAAAAAAAAAAAAAAAAAAAAAAAAAAAAAAAAAAAAAAAAAAAAAAAAAAAAAAAAAAAAAAAAAAAAAAAAAAAAAAAAAAAAAAAAAAAAAAAAAAAAAAAAAFAAAADwAAAAAAAAAAAAAAAAAAAkUAAAAAQAAABQAAAAUAAAAFAAAAAEAAAAAAAAAZAAAAGQAAAAAAAAAZAAAAGQAAAAVAAAAYAAAAAAAAAAAAAAADwAAACADAAAAAAAAAAAAAAEAAACgMgAAVgcAAKr4//8BAAAAf39/AAEAAABkAAAAAAAAABQAAABAHwAAAAAAACYAAAAAAAAAwOD//wAAAAAmAAAAZAAAABYAAABMAAAAAAAAAAAAAAAEAAAAAAAAAAEAAADu7OEKAAAAACgAAAAoAAAAZAAAAGQAAAAAAAAAzMzMAAAAAABQAAAAUAAAAGQAAABkAAAAAAAAABcAAAAUAAAAAAAAAAAAAAD/fwAA/38AAAAAAAAJAAAABAAAAAAAAAAeAAAAaAAAAAAAAAAAAAAAAAAAAAAAAAAAAAAAECcAABAnAAAAAAAAAAAAAAAAAAAAAAAAAAAAAAAAAAAAAAAAAAAAABQAAAAAAAAAwMD/AAAAAABkAAAAMgAAAAAAAABkAAAAAAAAAH9/fwAKAAAAIgAAABgAAAAAAAAAAAAAAAAAAAAAAAAAAAAAAAAAAAAkAAAAJAAAAAAAAAAHAAAAAAAAAAAAAAAAAAAAAAAAAAAAAAAAAAAAf39/ACUAAABYAAAAAAAAAAAAAAAAAAAAAAAAAAAAAAAAAAAAAAAAAAAAAAAAAAAAAAAAAAAAAAA/AAAAAAAAAKCGAQAAAAAAAAAAAAAAAAAMAAAAAQAAAAAAAAAAAAAAAAAAAB8AAABUAAAAAAAABQAAAAEAAAAAAAAAAAAAAAAAAAAAAAAAAAAAAAAAAAAAAAAAAAAAAAJ/f38AAAAAA8zMzADAwP8Af39/AAAAAAAAAAAAAAAAAAAAAAAAAAAAIQAAABgAAAAUAAAA/hUAAK4BAABwNQAAsCUAABAAAAAmAAAACAAAAAGAAAAAAAAA"/>
+                <pr:smNativeData xmlns:pr="smNativeData" xmlns="smNativeData" val="SMDATA_15_0rbXYhMAAAAlAAAAZAAAAA0AAAAAkAAAAEgAAACQAAAASAAAAAAAAAAAAAAAAAAAAAEAAABQAAAAAAAAAAAA4D8AAAAAAADgPwAAAAAAAOA/AAAAAAAA4D8AAAAAAADgPwAAAAAAAOA/AAAAAAAA4D8AAAAAAADgPwAAAAAAAOA/AAAAAAAA4D8CAAAAjAAAAAAAAAAAAAAAT4G9DP///wgAAAAAAAAAAAAAAAAAAAAAAAAAAAAAAAAAAAAAZAAAAAEAAABAAAAAAAAAAAAAAAAAAAAAAAAAAAAAAAAAAAAAAAAAAAAAAAAAAAAAAAAAAAAAAAAAAAAAAAAAAAAAAAAAAAAAAAAAAAAAAAAAAAAAAAAAAAAAAAAAAAAAFAAAADwAAAAAAAAAAAAAAAAAAAkUAAAAAQAAABQAAAAUAAAAFAAAAAEAAAAAAAAAZAAAAGQAAAAAAAAAZAAAAGQAAAAVAAAAYAAAAAAAAAAAAAAADwAAACADAAAAAAAAAAAAAAEAAACgMgAAVgcAAKr4//8BAAAAf39/AAEAAABkAAAAAAAAABQAAABAHwAAAAAAACYAAAAAAAAAwOD//wAAAAAmAAAAZAAAABYAAABMAAAAAAAAAAAAAAAEAAAAAAAAAAEAAADu7OEKAAAAACgAAAAoAAAAZAAAAGQAAAAAAAAAzMzMAAAAAABQAAAAUAAAAGQAAABkAAAAAAAAABcAAAAUAAAAAAAAAAAAAAD/fwAA/38AAAAAAAAJAAAABAAAAAAAAAAeAAAAaAAAAAAAAAAAAAAAAAAAAAAAAAAAAAAAECcAABAnAAAAAAAAAAAAAAAAAAAAAAAAAAAAAAAAAAAAAAAAAAAAABQAAAAAAAAAwMD/AAAAAABkAAAAMgAAAAAAAABkAAAAAAAAAH9/fwAKAAAAIgAAABgAAAAAAAAAAAAAAAAAAAAAAAAAAAAAAAAAAAAkAAAAJAAAAAAAAAAHAAAAAAAAAAAAAAAAAAAAAAAAAAAAAAAAAAAAf39/ACUAAABYAAAAAAAAAAAAAAAAAAAAAAAAAAAAAAAAAAAAAAAAAAAAAAAAAAAAAAAAAAAAAAA/AAAAAAAAAKCGAQAAAAAAAAAAAAAAAAAMAAAAAQAAAAAAAAAAAAAAAAAAAB8AAABUAAAAAAAABQAAAAEAAAAAAAAAAAAAAAAAAAAAAAAAAAAAAAAAAAAAAAAAAAAAAAJ/f38AAAAAA8zMzADAwP8Af39/AAAAAAAAAAAAAAAAAAAAAAAAAAAAIQAAABgAAAAUAAAA/hUAAK4BAABwNQAAsCUAABAAAAAmAAAACAAAAAGAAAAAAAAA"/>
               </a:ext>
             </a:extLst>
           </p:cNvSpPr>
@@ -2654,7 +2655,7 @@
             <a:spLocks noGrp="1" noChangeArrowheads="1"/>
             <a:extLst>
               <a:ext uri="smNativeData">
-                <pr:smNativeData xmlns:pr="smNativeData" xmlns="smNativeData" val="SMDATA_15_iunWYhMAAAAlAAAAZAAAAA0AAAAAkAAAAEgAAACQAAAASAAAAAAAAAAAAAAAAAAAAAEAAABQAAAAAAAAAAAA4D8AAAAAAADgPwAAAAAAAOA/AAAAAAAA4D8AAAAAAADgPwAAAAAAAOA/AAAAAAAA4D8AAAAAAADgPwAAAAAAAOA/AAAAAAAA4D8CAAAAjAAAAAAAAAAAAAAAT4G9DP///wgAAAAAAAAAAAAAAAAAAAAAAAAAAAAAAAAAAAAAZAAAAAEAAABAAAAAAAAAAAAAAAAAAAAAAAAAAAAAAAAAAAAAAAAAAAAAAAAAAAAAAAAAAAAAAAAAAAAAAAAAAAAAAAAAAAAAAAAAAAAAAAAAAAAAAAAAAAAAAAAAAAAAFAAAADwAAAAAAAAAAAAAAAAAAAkUAAAAAQAAABQAAAAUAAAAFAAAAAEAAAAAAAAAZAAAAGQAAAAAAAAAZAAAAGQAAAAVAAAAYAAAAAAAAAAAAAAADwAAACADAAAAAAAAAAAAAAEAAACgMgAAVgcAAKr4//8BAAAAf39/AAEAAABkAAAAAAAAABQAAABAHwAAAAAAACYAAAAAAAAAwOD//wAAAAAmAAAAZAAAABYAAABMAAAAAAAAAAAAAAAEAAAAAAAAAAEAAADu7OEKAAAAACgAAAAoAAAAZAAAAGQAAAAAAAAAzMzMAAAAAABQAAAAUAAAAGQAAABkAAAAAAAAABcAAAAUAAAAAAAAAAAAAAD/fwAA/38AAAAAAAAJAAAABAAAAG9GaWweAAAAaAAAAAAAAAAAAAAAAAAAAAAAAAAAAAAAECcAABAnAAAAAAAAAAAAAAAAAAAAAAAAAAAAAAAAAAAAAAAAAAAAABQAAAAAAAAAwMD/AAAAAABkAAAAMgAAAAAAAABkAAAAAAAAAH9/fwAKAAAAIgAAABgAAAAAAAAAAAAAAAAAAAAAAAAAAAAAAAAAAAAkAAAAJAAAAAAAAAAHAAAAAAAAAAAAAAAAAAAAAAAAAAAAAAAAAAAAf39/ACUAAABYAAAAAAAAAAAAAAAAAAAAAAAAAAAAAAAAAAAAAAAAAAAAAAAAAAAAAAAAAAAAAAA/AAAAAAAAAKCGAQAAAAAAAAAAAAAAAAAMAAAAAQAAAAAAAAAAAAAAAAAAAB8AAABUAAAAAAAABQAAAAEAAAAAAAAAAAAAAAAAAAAAAAAAAAAAAAAAAAAAAAAAAAAAAAJ/f38AAAAAA8zMzADAwP8Af39/AAAAAAAAAAAAAAAAAAAAAAAAAAAAIQAAABgAAAAUAAAA0AIAANQIAABSFQAAsCUAABAAAAAmAAAACAAAAAGAAAAAAAAA"/>
+                <pr:smNativeData xmlns:pr="smNativeData" xmlns="smNativeData" val="SMDATA_15_0rbXYhMAAAAlAAAAZAAAAA0AAAAAkAAAAEgAAACQAAAASAAAAAAAAAAAAAAAAAAAAAEAAABQAAAAAAAAAAAA4D8AAAAAAADgPwAAAAAAAOA/AAAAAAAA4D8AAAAAAADgPwAAAAAAAOA/AAAAAAAA4D8AAAAAAADgPwAAAAAAAOA/AAAAAAAA4D8CAAAAjAAAAAAAAAAAAAAAT4G9DP///wgAAAAAAAAAAAAAAAAAAAAAAAAAAAAAAAAAAAAAZAAAAAEAAABAAAAAAAAAAAAAAAAAAAAAAAAAAAAAAAAAAAAAAAAAAAAAAAAAAAAAAAAAAAAAAAAAAAAAAAAAAAAAAAAAAAAAAAAAAAAAAAAAAAAAAAAAAAAAAAAAAAAAFAAAADwAAAAAAAAAAAAAAAAAAAkUAAAAAQAAABQAAAAUAAAAFAAAAAEAAAAAAAAAZAAAAGQAAAAAAAAAZAAAAGQAAAAVAAAAYAAAAAAAAAAAAAAADwAAACADAAAAAAAAAAAAAAEAAACgMgAAVgcAAKr4//8BAAAAf39/AAEAAABkAAAAAAAAABQAAABAHwAAAAAAACYAAAAAAAAAwOD//wAAAAAmAAAAZAAAABYAAABMAAAAAAAAAAAAAAAEAAAAAAAAAAEAAADu7OEKAAAAACgAAAAoAAAAZAAAAGQAAAAAAAAAzMzMAAAAAABQAAAAUAAAAGQAAABkAAAAAAAAABcAAAAUAAAAAAAAAAAAAAD/fwAA/38AAAAAAAAJAAAABAAAAG9GaWweAAAAaAAAAAAAAAAAAAAAAAAAAAAAAAAAAAAAECcAABAnAAAAAAAAAAAAAAAAAAAAAAAAAAAAAAAAAAAAAAAAAAAAABQAAAAAAAAAwMD/AAAAAABkAAAAMgAAAAAAAABkAAAAAAAAAH9/fwAKAAAAIgAAABgAAAAAAAAAAAAAAAAAAAAAAAAAAAAAAAAAAAAkAAAAJAAAAAAAAAAHAAAAAAAAAAAAAAAAAAAAAAAAAAAAAAAAAAAAf39/ACUAAABYAAAAAAAAAAAAAAAAAAAAAAAAAAAAAAAAAAAAAAAAAAAAAAAAAAAAAAAAAAAAAAA/AAAAAAAAAKCGAQAAAAAAAAAAAAAAAAAMAAAAAQAAAAAAAAAAAAAAAAAAAB8AAABUAAAAAAAABQAAAAEAAAAAAAAAAAAAAAAAAAAAAAAAAAAAAAAAAAAAAAAAAAAAAAJ/f38AAAAAA8zMzADAwP8Af39/AAAAAAAAAAAAAAAAAAAAAAAAAAAAIQAAABgAAAAUAAAA0AIAANQIAABSFQAAsCUAABAAAAAmAAAACAAAAAGAAAAAAAAA"/>
               </a:ext>
             </a:extLst>
           </p:cNvSpPr>
@@ -2725,7 +2726,7 @@
             <a:spLocks noGrp="1" noChangeArrowheads="1"/>
             <a:extLst>
               <a:ext uri="smNativeData">
-                <pr:smNativeData xmlns:pr="smNativeData" xmlns="smNativeData" val="SMDATA_15_iunWYhMAAAAlAAAAZAAAAA0AAAAAkAAAAEgAAACQAAAASAAAAAAAAAABAAAAAAAAAAEAAABQAAAAAAAAAAAA4D8AAAAAAADgPwAAAAAAAOA/AAAAAAAA4D8AAAAAAADgPwAAAAAAAOA/AAAAAAAA4D8AAAAAAADgPwAAAAAAAOA/AAAAAAAA4D8CAAAAjAAAAAAAAAAAAAAAT4G9DP///wgAAAAAAAAAAAAAAAAAAAAAAAAAAAAAAAAAAAAAZAAAAAEAAABAAAAAAAAAAAAAAAAAAAAAAAAAAAAAAAAAAAAAAAAAAAAAAAAAAAAAAAAAAAAAAAAAAAAAAAAAAAAAAAAAAAAAAAAAAAAAAAAAAAAAAAAAAAAAAAAAAAAAFAAAADwAAAAAAAAAAAAAAAAAAAkUAAAAAQAAABQAAAAUAAAAFAAAAAEAAAAAAAAAZAAAAGQAAAAAAAAAZAAAAGQAAAAVAAAAYAAAAAAAAAAAAAAADwAAACADAAAAAAAAAAAAAAEAAACgMgAAVgcAAKr4//8BAAAAf39/AAEAAABkAAAAAAAAABQAAABAHwAAAAAAACYAAAAAAAAAwOD//wAAAAAmAAAAZAAAABYAAABMAAAAAAAAAAAAAAAEAAAAAAAAAAEAAADu7OEKAAAAACgAAAAoAAAAZAAAAGQAAAAAAAAAzMzMAAAAAABQAAAAUAAAAGQAAABkAAAAAAAAABcAAAAUAAAAAAAAAAAAAAD/fwAA/38AAAAAAAAJAAAABAAAAFC0XBUeAAAAaAAAAAAAAAAAAAAAAAAAAAAAAAAAAAAAECcAABAnAAAAAAAAAAAAAAAAAAAAAAAAAAAAAAAAAAAAAAAAAAAAABQAAAAAAAAAwMD/AAAAAABkAAAAMgAAAAAAAABkAAAAAAAAAH9/fwAKAAAAIgAAABgAAAAAAAAAAAAAAAAAAAAAAAAAAAAAAAAAAAAkAAAAJAAAAAAAAAAHAAAAAAAAAAAAAAAAAAAAAAAAAAAAAAAAAAAAf39/ACUAAABYAAAAAAAAAAAAAAAAAAAAAAAAAAAAAAAAAAAAAAAAAAAAAAAAAAAAAAAAAAAAAAA/AAAAAAAAAKCGAQAAAAAAAAAAAAAAAAAMAAAAAQAAAAAAAAAAAAAAAAAAAB8AAABUAAAAAAAABQAAAAEAAAAAAAAAAAAAAAAAAAAAAAAAAAAAAAAAAAAAAAAAAAAAAAJ/f38AAAAAA8zMzADAwP8Af39/AAAAAAAAAAAAAAAAAAAAAAAAAAAAIQAAABgAAAAUAAAA0AIAABonAADwDwAAWSkAABAAAAAmAAAACAAAAAAAAAAAAAAA"/>
+                <pr:smNativeData xmlns:pr="smNativeData" xmlns="smNativeData" val="SMDATA_15_0rbXYhMAAAAlAAAAZAAAAA0AAAAAkAAAAEgAAACQAAAASAAAAAAAAAABAAAAAAAAAAEAAABQAAAAAAAAAAAA4D8AAAAAAADgPwAAAAAAAOA/AAAAAAAA4D8AAAAAAADgPwAAAAAAAOA/AAAAAAAA4D8AAAAAAADgPwAAAAAAAOA/AAAAAAAA4D8CAAAAjAAAAAAAAAAAAAAAT4G9DP///wgAAAAAAAAAAAAAAAAAAAAAAAAAAAAAAAAAAAAAZAAAAAEAAABAAAAAAAAAAAAAAAAAAAAAAAAAAAAAAAAAAAAAAAAAAAAAAAAAAAAAAAAAAAAAAAAAAAAAAAAAAAAAAAAAAAAAAAAAAAAAAAAAAAAAAAAAAAAAAAAAAAAAFAAAADwAAAAAAAAAAAAAAAAAAAkUAAAAAQAAABQAAAAUAAAAFAAAAAEAAAAAAAAAZAAAAGQAAAAAAAAAZAAAAGQAAAAVAAAAYAAAAAAAAAAAAAAADwAAACADAAAAAAAAAAAAAAEAAACgMgAAVgcAAKr4//8BAAAAf39/AAEAAABkAAAAAAAAABQAAABAHwAAAAAAACYAAAAAAAAAwOD//wAAAAAmAAAAZAAAABYAAABMAAAAAAAAAAAAAAAEAAAAAAAAAAEAAADu7OEKAAAAACgAAAAoAAAAZAAAAGQAAAAAAAAAzMzMAAAAAABQAAAAUAAAAGQAAABkAAAAAAAAABcAAAAUAAAAAAAAAAAAAAD/fwAA/38AAAAAAAAJAAAABAAAAFC0XBUeAAAAaAAAAAAAAAAAAAAAAAAAAAAAAAAAAAAAECcAABAnAAAAAAAAAAAAAAAAAAAAAAAAAAAAAAAAAAAAAAAAAAAAABQAAAAAAAAAwMD/AAAAAABkAAAAMgAAAAAAAABkAAAAAAAAAH9/fwAKAAAAIgAAABgAAAAAAAAAAAAAAAAAAAAAAAAAAAAAAAAAAAAkAAAAJAAAAAAAAAAHAAAAAAAAAAAAAAAAAAAAAAAAAAAAAAAAAAAAf39/ACUAAABYAAAAAAAAAAAAAAAAAAAAAAAAAAAAAAAAAAAAAAAAAAAAAAAAAAAAAAAAAAAAAAA/AAAAAAAAAKCGAQAAAAAAAAAAAAAAAAAMAAAAAQAAAAAAAAAAAAAAAAAAAB8AAABUAAAAAAAABQAAAAEAAAAAAAAAAAAAAAAAAAAAAAAAAAAAAAAAAAAAAAAAAAAAAAJ/f38AAAAAA8zMzADAwP8Af39/AAAAAAAAAAAAAAAAAAAAAAAAAAAAIQAAABgAAAAUAAAA0AIAABonAADwDwAAWSkAABAAAAAmAAAACAAAAAAAAAAAAAAA"/>
               </a:ext>
             </a:extLst>
           </p:cNvSpPr>
@@ -2741,7 +2742,7 @@
             <a:pPr>
               <a:defRPr lang="fr-fr"/>
             </a:pPr>
-            <a:fld id="{193F1ADB-95F4-6AEC-BA87-63B954C94C36}" type="datetime1">
+            <a:fld id="{2CC4186F-21C1-91EE-8F7C-D7BB56327982}" type="datetime1">
               <a:t>1/04/15</a:t>
             </a:fld>
           </a:p>
@@ -2754,7 +2755,7 @@
             <a:spLocks noGrp="1" noChangeArrowheads="1"/>
             <a:extLst>
               <a:ext uri="smNativeData">
-                <pr:smNativeData xmlns:pr="smNativeData" xmlns="smNativeData" val="SMDATA_15_iunWYhMAAAAlAAAAZAAAAA0AAAAAkAAAAEgAAACQAAAASAAAAAAAAAABAAAAAAAAAAEAAABQAAAAAAAAAAAA4D8AAAAAAADgPwAAAAAAAOA/AAAAAAAA4D8AAAAAAADgPwAAAAAAAOA/AAAAAAAA4D8AAAAAAADgPwAAAAAAAOA/AAAAAAAA4D8CAAAAjAAAAAAAAAAAAAAAT4G9DP///wgAAAAAAAAAAAAAAAAAAAAAAAAAAAAAAAAAAAAAZAAAAAEAAABAAAAAAAAAAAAAAAAAAAAAAAAAAAAAAAAAAAAAAAAAAAAAAAAAAAAAAAAAAAAAAAAAAAAAAAAAAAAAAAAAAAAAAAAAAAAAAAAAAAAAAAAAAAAAAAAAAAAAFAAAADwAAAAAAAAAAAAAAAAAAAkUAAAAAQAAABQAAAAUAAAAFAAAAAEAAAAAAAAAZAAAAGQAAAAAAAAAZAAAAGQAAAAVAAAAYAAAAAAAAAAAAAAADwAAACADAAAAAAAAAAAAAAEAAACgMgAAVgcAAKr4//8BAAAAf39/AAEAAABkAAAAAAAAABQAAABAHwAAAAAAACYAAAAAAAAAwOD//wAAAAAmAAAAZAAAABYAAABMAAAAAAAAAAAAAAAEAAAAAAAAAAEAAADu7OEKAAAAACgAAAAoAAAAZAAAAGQAAAAAAAAAzMzMAAAAAABQAAAAUAAAAGQAAABkAAAAAAAAABcAAAAUAAAAAAAAAAAAAAD/fwAA/38AAAAAAAAJAAAABAAAABB7SpceAAAAaAAAAAAAAAAAAAAAAAAAAAAAAAAAAAAAECcAABAnAAAAAAAAAAAAAAAAAAAAAAAAAAAAAAAAAAAAAAAAAAAAABQAAAAAAAAAwMD/AAAAAABkAAAAMgAAAAAAAABkAAAAAAAAAH9/fwAKAAAAIgAAABgAAAAAAAAAAAAAAAAAAAAAAAAAAAAAAAAAAAAkAAAAJAAAAAAAAAAHAAAAAAAAAAAAAAAAAAAAAAAAAAAAAAAAAAAAf39/ACUAAABYAAAAAAAAAAAAAAAAAAAAAAAAAAAAAAAAAAAAAAAAAAAAAAAAAAAAAAAAAAAAAAA/AAAAAAAAAKCGAQAAAAAAAAAAAAAAAAAMAAAAAQAAAAAAAAAAAAAAAAAAAB8AAABUAAAAAAAABQAAAAEAAAAAAAAAAAAAAAAAAAAAAAAAAAAAAAAAAAAAAAAAAAAAAAJ/f38AAAAAA8zMzADAwP8Af39/AAAAAAAAAAAAAAAAAAAAAAAAAAAAIQAAABgAAAAUAAAAOBMAABonAAAIJQAAWSkAABAAAAAmAAAACAAAAAAAAAAAAAAA"/>
+                <pr:smNativeData xmlns:pr="smNativeData" xmlns="smNativeData" val="SMDATA_15_0rbXYhMAAAAlAAAAZAAAAA0AAAAAkAAAAEgAAACQAAAASAAAAAAAAAABAAAAAAAAAAEAAABQAAAAAAAAAAAA4D8AAAAAAADgPwAAAAAAAOA/AAAAAAAA4D8AAAAAAADgPwAAAAAAAOA/AAAAAAAA4D8AAAAAAADgPwAAAAAAAOA/AAAAAAAA4D8CAAAAjAAAAAAAAAAAAAAAT4G9DP///wgAAAAAAAAAAAAAAAAAAAAAAAAAAAAAAAAAAAAAZAAAAAEAAABAAAAAAAAAAAAAAAAAAAAAAAAAAAAAAAAAAAAAAAAAAAAAAAAAAAAAAAAAAAAAAAAAAAAAAAAAAAAAAAAAAAAAAAAAAAAAAAAAAAAAAAAAAAAAAAAAAAAAFAAAADwAAAAAAAAAAAAAAAAAAAkUAAAAAQAAABQAAAAUAAAAFAAAAAEAAAAAAAAAZAAAAGQAAAAAAAAAZAAAAGQAAAAVAAAAYAAAAAAAAAAAAAAADwAAACADAAAAAAAAAAAAAAEAAACgMgAAVgcAAKr4//8BAAAAf39/AAEAAABkAAAAAAAAABQAAABAHwAAAAAAACYAAAAAAAAAwOD//wAAAAAmAAAAZAAAABYAAABMAAAAAAAAAAAAAAAEAAAAAAAAAAEAAADu7OEKAAAAACgAAAAoAAAAZAAAAGQAAAAAAAAAzMzMAAAAAABQAAAAUAAAAGQAAABkAAAAAAAAABcAAAAUAAAAAAAAAAAAAAD/fwAA/38AAAAAAAAJAAAABAAAABB7SpceAAAAaAAAAAAAAAAAAAAAAAAAAAAAAAAAAAAAECcAABAnAAAAAAAAAAAAAAAAAAAAAAAAAAAAAAAAAAAAAAAAAAAAABQAAAAAAAAAwMD/AAAAAABkAAAAMgAAAAAAAABkAAAAAAAAAH9/fwAKAAAAIgAAABgAAAAAAAAAAAAAAAAAAAAAAAAAAAAAAAAAAAAkAAAAJAAAAAAAAAAHAAAAAAAAAAAAAAAAAAAAAAAAAAAAAAAAAAAAf39/ACUAAABYAAAAAAAAAAAAAAAAAAAAAAAAAAAAAAAAAAAAAAAAAAAAAAAAAAAAAAAAAAAAAAA/AAAAAAAAAKCGAQAAAAAAAAAAAAAAAAAMAAAAAQAAAAAAAAAAAAAAAAAAAB8AAABUAAAAAAAABQAAAAEAAAAAAAAAAAAAAAAAAAAAAAAAAAAAAAAAAAAAAAAAAAAAAAJ/f38AAAAAA8zMzADAwP8Af39/AAAAAAAAAAAAAAAAAAAAAAAAAAAAIQAAABgAAAAUAAAAOBMAABonAAAIJQAAWSkAABAAAAAmAAAACAAAAAAAAAAAAAAA"/>
               </a:ext>
             </a:extLst>
           </p:cNvSpPr>
@@ -2780,7 +2781,7 @@
             <a:spLocks noGrp="1" noChangeArrowheads="1"/>
             <a:extLst>
               <a:ext uri="smNativeData">
-                <pr:smNativeData xmlns:pr="smNativeData" xmlns="smNativeData" val="SMDATA_15_iunWYhMAAAAlAAAAZAAAAA0AAAAAkAAAAEgAAACQAAAASAAAAAAAAAABAAAAAAAAAAEAAABQAAAAAAAAAAAA4D8AAAAAAADgPwAAAAAAAOA/AAAAAAAA4D8AAAAAAADgPwAAAAAAAOA/AAAAAAAA4D8AAAAAAADgPwAAAAAAAOA/AAAAAAAA4D8CAAAAjAAAAAAAAAAAAAAAT4G9DP///wgAAAAAAAAAAAAAAAAAAAAAAAAAAAAAAAAAAAAAZAAAAAEAAABAAAAAAAAAAAAAAAAAAAAAAAAAAAAAAAAAAAAAAAAAAAAAAAAAAAAAAAAAAAAAAAAAAAAAAAAAAAAAAAAAAAAAAAAAAAAAAAAAAAAAAAAAAAAAAAAAAAAAFAAAADwAAAAAAAAAAAAAAAAAAAkUAAAAAQAAABQAAAAUAAAAFAAAAAEAAAAAAAAAZAAAAGQAAAAAAAAAZAAAAGQAAAAVAAAAYAAAAAAAAAAAAAAADwAAACADAAAAAAAAAAAAAAEAAACgMgAAVgcAAKr4//8BAAAAf39/AAEAAABkAAAAAAAAABQAAABAHwAAAAAAACYAAAAAAAAAwOD//wAAAAAmAAAAZAAAABYAAABMAAAAAAAAAAAAAAAEAAAAAAAAAAEAAADu7OEKAAAAACgAAAAoAAAAZAAAAGQAAAAAAAAAzMzMAAAAAABQAAAAUAAAAGQAAABkAAAAAAAAABcAAAAUAAAAAAAAAAAAAAD/fwAA/38AAAAAAAAJAAAABAAAAFRhcmceAAAAaAAAAAAAAAAAAAAAAAAAAAAAAAAAAAAAECcAABAnAAAAAAAAAAAAAAAAAAAAAAAAAAAAAAAAAAAAAAAAAAAAABQAAAAAAAAAwMD/AAAAAABkAAAAMgAAAAAAAABkAAAAAAAAAH9/fwAKAAAAIgAAABgAAAAAAAAAAAAAAAAAAAAAAAAAAAAAAAAAAAAkAAAAJAAAAAAAAAAHAAAAAAAAAAAAAAAAAAAAAAAAAAAAAAAAAAAAf39/ACUAAABYAAAAAAAAAAAAAAAAAAAAAAAAAAAAAAAAAAAAAAAAAAAAAAAAAAAAAAAAAAAAAAA/AAAAAAAAAKCGAQAAAAAAAAAAAAAAAAAMAAAAAQAAAAAAAAAAAAAAAAAAAB8AAABUAAAAAAAABQAAAAEAAAAAAAAAAAAAAAAAAAAAAAAAAAAAAAAAAAAAAAAAAAAAAAJ/f38AAAAAA8zMzADAwP8Af39/AAAAAAAAAAAAAAAAAAAAAAAAAAAAIQAAABgAAAAUAAAAUCgAABonAABwNQAAWSkAABAAAAAmAAAACAAAAAAAAAAAAAAA"/>
+                <pr:smNativeData xmlns:pr="smNativeData" xmlns="smNativeData" val="SMDATA_15_0rbXYhMAAAAlAAAAZAAAAA0AAAAAkAAAAEgAAACQAAAASAAAAAAAAAABAAAAAAAAAAEAAABQAAAAAAAAAAAA4D8AAAAAAADgPwAAAAAAAOA/AAAAAAAA4D8AAAAAAADgPwAAAAAAAOA/AAAAAAAA4D8AAAAAAADgPwAAAAAAAOA/AAAAAAAA4D8CAAAAjAAAAAAAAAAAAAAAT4G9DP///wgAAAAAAAAAAAAAAAAAAAAAAAAAAAAAAAAAAAAAZAAAAAEAAABAAAAAAAAAAAAAAAAAAAAAAAAAAAAAAAAAAAAAAAAAAAAAAAAAAAAAAAAAAAAAAAAAAAAAAAAAAAAAAAAAAAAAAAAAAAAAAAAAAAAAAAAAAAAAAAAAAAAAFAAAADwAAAAAAAAAAAAAAAAAAAkUAAAAAQAAABQAAAAUAAAAFAAAAAEAAAAAAAAAZAAAAGQAAAAAAAAAZAAAAGQAAAAVAAAAYAAAAAAAAAAAAAAADwAAACADAAAAAAAAAAAAAAEAAACgMgAAVgcAAKr4//8BAAAAf39/AAEAAABkAAAAAAAAABQAAABAHwAAAAAAACYAAAAAAAAAwOD//wAAAAAmAAAAZAAAABYAAABMAAAAAAAAAAAAAAAEAAAAAAAAAAEAAADu7OEKAAAAACgAAAAoAAAAZAAAAGQAAAAAAAAAzMzMAAAAAABQAAAAUAAAAGQAAABkAAAAAAAAABcAAAAUAAAAAAAAAAAAAAD/fwAA/38AAAAAAAAJAAAABAAAAFRhcmceAAAAaAAAAAAAAAAAAAAAAAAAAAAAAAAAAAAAECcAABAnAAAAAAAAAAAAAAAAAAAAAAAAAAAAAAAAAAAAAAAAAAAAABQAAAAAAAAAwMD/AAAAAABkAAAAMgAAAAAAAABkAAAAAAAAAH9/fwAKAAAAIgAAABgAAAAAAAAAAAAAAAAAAAAAAAAAAAAAAAAAAAAkAAAAJAAAAAAAAAAHAAAAAAAAAAAAAAAAAAAAAAAAAAAAAAAAAAAAf39/ACUAAABYAAAAAAAAAAAAAAAAAAAAAAAAAAAAAAAAAAAAAAAAAAAAAAAAAAAAAAAAAAAAAAA/AAAAAAAAAKCGAQAAAAAAAAAAAAAAAAAMAAAAAQAAAAAAAAAAAAAAAAAAAB8AAABUAAAAAAAABQAAAAEAAAAAAAAAAAAAAAAAAAAAAAAAAAAAAAAAAAAAAAAAAAAAAAJ/f38AAAAAA8zMzADAwP8Af39/AAAAAAAAAAAAAAAAAAAAAAAAAAAAIQAAABgAAAAUAAAAUCgAABonAABwNQAAWSkAABAAAAAmAAAACAAAAAAAAAAAAAAA"/>
               </a:ext>
             </a:extLst>
           </p:cNvSpPr>
@@ -2796,7 +2797,7 @@
             <a:pPr>
               <a:defRPr lang="fr-fr"/>
             </a:pPr>
-            <a:fld id="{31342B98-D6DC-61DD-928C-208865C26475}" type="slidenum">
+            <a:fld id="{763E6088-C69B-6B96-D586-30C32EC82365}" type="slidenum">
               <a:t>‹#›</a:t>
             </a:fld>
           </a:p>
@@ -2835,7 +2836,7 @@
             <a:spLocks noGrp="1" noChangeArrowheads="1"/>
             <a:extLst>
               <a:ext uri="smNativeData">
-                <pr:smNativeData xmlns:pr="smNativeData" xmlns="smNativeData" val="SMDATA_15_iunWYhMAAAAlAAAAZAAAAA0AAAAAkAAAAEgAAACQAAAASAAAAAAAAAACAAAAAAAAAAEAAABQAAAAAAAAAAAA4D8AAAAAAADgPwAAAAAAAOA/AAAAAAAA4D8AAAAAAADgPwAAAAAAAOA/AAAAAAAA4D8AAAAAAADgPwAAAAAAAOA/AAAAAAAA4D8CAAAAjAAAAAAAAAAAAAAAT4G9DP///wgAAAAAAAAAAAAAAAAAAAAAAAAAAAAAAAAAAAAAZAAAAAEAAABAAAAAAAAAAAAAAAAAAAAAAAAAAAAAAAAAAAAAAAAAAAAAAAAAAAAAAAAAAAAAAAAAAAAAAAAAAAAAAAAAAAAAAAAAAAAAAAAAAAAAAAAAAAAAAAAAAAAAFAAAADwAAAAAAAAAAAAAAAAAAAkUAAAAAQAAABQAAAAUAAAAFAAAAAEAAAAAAAAAZAAAAGQAAAAAAAAAZAAAAGQAAAAVAAAAYAAAAAAAAAAAAAAADwAAACADAAAAAAAAAAAAAAEAAACgMgAAVgcAAKr4//8BAAAAf39/AAEAAABkAAAAAAAAABQAAABAHwAAAAAAACYAAAAAAAAAwOD//wAAAAAmAAAAZAAAABYAAABMAAAAAAAAAAAAAAAEAAAAAAAAAAEAAADu7OEKAAAAACgAAAAoAAAAZAAAAGQAAAAAAAAAzMzMAAAAAABQAAAAUAAAAGQAAABkAAAAAAAAABcAAAAUAAAAAAAAAAAAAAD/fwAA/38AAAAAAAAJAAAABAAAABB7SpceAAAAaAAAAAAAAAAAAAAAAAAAAAAAAAAAAAAAECcAABAnAAAAAAAAAAAAAAAAAAAAAAAAAAAAAAAAAAAAAAAAAAAAABQAAAAAAAAAwMD/AAAAAABkAAAAMgAAAAAAAABkAAAAAAAAAH9/fwAKAAAAIgAAABgAAAAAAAAAAAAAAAAAAAAAAAAAAAAAAAAAAAAkAAAAJAAAAAAAAAAHAAAAAAAAAAAAAAAAAAAAAAAAAAAAAAAAAAAAf39/ACUAAABYAAAAAAAAAAAAAAAAAAAAAAAAAAAAAAAAAAAAAAAAAAAAAAAAAAAAAAAAAAAAAAA/AAAAAAAAAKCGAQAAAAAAAAAAAAAAAAAMAAAAAQAAAAAAAAAAAAAAAAAAAB8AAABUAAAAAAAABQAAAAEAAAAAAAAAAAAAAAAAAAAAAAAAAAAAAAAAAAAAAAAAAAAAAAJ/f38AAAAAA8zMzADAwP8Af39/AAAAAAAAAAAAAAAAAAAAAAAAAAAAIQAAABgAAAAUAAAABwsAAIgdAADHLAAABSEAABAAAAAmAAAACAAAAIGAAAAAAAAA"/>
+                <pr:smNativeData xmlns:pr="smNativeData" xmlns="smNativeData" val="SMDATA_15_0rbXYhMAAAAlAAAAZAAAAA0AAAAAkAAAAEgAAACQAAAASAAAAAAAAAACAAAAAAAAAAEAAABQAAAAAAAAAAAA4D8AAAAAAADgPwAAAAAAAOA/AAAAAAAA4D8AAAAAAADgPwAAAAAAAOA/AAAAAAAA4D8AAAAAAADgPwAAAAAAAOA/AAAAAAAA4D8CAAAAjAAAAAAAAAAAAAAAT4G9DP///wgAAAAAAAAAAAAAAAAAAAAAAAAAAAAAAAAAAAAAZAAAAAEAAABAAAAAAAAAAAAAAAAAAAAAAAAAAAAAAAAAAAAAAAAAAAAAAAAAAAAAAAAAAAAAAAAAAAAAAAAAAAAAAAAAAAAAAAAAAAAAAAAAAAAAAAAAAAAAAAAAAAAAFAAAADwAAAAAAAAAAAAAAAAAAAkUAAAAAQAAABQAAAAUAAAAFAAAAAEAAAAAAAAAZAAAAGQAAAAAAAAAZAAAAGQAAAAVAAAAYAAAAAAAAAAAAAAADwAAACADAAAAAAAAAAAAAAEAAACgMgAAVgcAAKr4//8BAAAAf39/AAEAAABkAAAAAAAAABQAAABAHwAAAAAAACYAAAAAAAAAwOD//wAAAAAmAAAAZAAAABYAAABMAAAAAAAAAAAAAAAEAAAAAAAAAAEAAADu7OEKAAAAACgAAAAoAAAAZAAAAGQAAAAAAAAAzMzMAAAAAABQAAAAUAAAAGQAAABkAAAAAAAAABcAAAAUAAAAAAAAAAAAAAD/fwAA/38AAAAAAAAJAAAABAAAABB7SpceAAAAaAAAAAAAAAAAAAAAAAAAAAAAAAAAAAAAECcAABAnAAAAAAAAAAAAAAAAAAAAAAAAAAAAAAAAAAAAAAAAAAAAABQAAAAAAAAAwMD/AAAAAABkAAAAMgAAAAAAAABkAAAAAAAAAH9/fwAKAAAAIgAAABgAAAAAAAAAAAAAAAAAAAAAAAAAAAAAAAAAAAAkAAAAJAAAAAAAAAAHAAAAAAAAAAAAAAAAAAAAAAAAAAAAAAAAAAAAf39/ACUAAABYAAAAAAAAAAAAAAAAAAAAAAAAAAAAAAAAAAAAAAAAAAAAAAAAAAAAAAAAAAAAAAA/AAAAAAAAAKCGAQAAAAAAAAAAAAAAAAAMAAAAAQAAAAAAAAAAAAAAAAAAAB8AAABUAAAAAAAABQAAAAEAAAAAAAAAAAAAAAAAAAAAAAAAAAAAAAAAAAAAAAAAAAAAAAJ/f38AAAAAA8zMzADAwP8Af39/AAAAAAAAAAAAAAAAAAAAAAAAAAAAIQAAABgAAAAUAAAABwsAAIgdAADHLAAABSEAABAAAAAmAAAACAAAAIGAAAAAAAAA"/>
               </a:ext>
             </a:extLst>
           </p:cNvSpPr>
@@ -2901,7 +2902,7 @@
             <a:spLocks noGrp="1" noChangeArrowheads="1"/>
             <a:extLst>
               <a:ext uri="smNativeData">
-                <pr:smNativeData xmlns:pr="smNativeData" xmlns="smNativeData" val="SMDATA_15_iunWYhMAAAAlAAAAZAAAAA0AAAAAkAAAAEgAAACQAAAASAAAAAAAAAAAAAAAAAAAAAEAAABQAAAAAAAAAAAA4D8AAAAAAADgPwAAAAAAAOA/AAAAAAAA4D8AAAAAAADgPwAAAAAAAOA/AAAAAAAA4D8AAAAAAADgPwAAAAAAAOA/AAAAAAAA4D8CAAAAjAAAAAAAAAAAAAAAT4G9DP///wgAAAAAAAAAAAAAAAAAAAAAAAAAAAAAAAAAAAAAZAAAAAEAAABAAAAAAAAAAAAAAAAAAAAAAAAAAAAAAAAAAAAAAAAAAAAAAAAAAAAAAAAAAAAAAAAAAAAAAAAAAAAAAAAAAAAAAAAAAAAAAAAAAAAAAAAAAAAAAAAAAAAAFAAAADwAAAAAAAAAAAAAAAAAAAkUAAAAAQAAABQAAAAUAAAAFAAAAAEAAAAAAAAAZAAAAGQAAAAAAAAAZAAAAGQAAAAVAAAAYAAAAAAAAAAAAAAADwAAACADAAAAAAAAAAAAAAEAAACgMgAAVgcAAKr4//8BAAAAf39/AAEAAABkAAAAAAAAABQAAABAHwAAAAAAACYAAAAAAAAAwOD//wAAAAAmAAAAZAAAABYAAABMAAAAAAAAAAAAAAAEAAAAAAAAAAEAAADu7OEKAAAAACgAAAAoAAAAZAAAAGQAAAAAAAAAzMzMAAAAAABQAAAAUAAAAGQAAABkAAAAAAAAABcAAAAUAAAAAAAAAAAAAAD/fwAA/38AAAAAAAAJAAAABAAAAFRhcmceAAAAaAAAAAAAAAAAAAAAAAAAAAAAAAAAAAAAECcAABAnAAAAAAAAAAAAAAAAAAAAAAAAAAAAAAAAAAAAAAAAAAAAABQAAAAAAAAAwMD/AAAAAABkAAAAMgAAAAAAAABkAAAAAAAAAH9/fwAKAAAAIgAAABgAAAAAAAAAAAAAAAAAAAAAAAAAAAAAAAAAAAAkAAAAJAAAAAAAAAAHAAAAAAAAAAAAAAAAAAAAAAAAAAAAAAAAAAAAf39/ACUAAABYAAAAAAAAAAAAAAAAAAAAAAAAAAAAAAAAAAAAAAAAAAAAAAAAAAAAAAAAAAAAAAA/AAAAAAAAAKCGAQAAAAAAAAAAAAAAAAAMAAAAAQAAAAAAAAAAAAAAAAAAAB8AAABUAAAAAAAABQAAAAEAAAAAAAAAAAAAAAAAAAAAAAAAAAAAAAAAAAAAAAAAAAAAAAJ/f38AAAAAA8zMzADAwP8Af39/AAAAAAAAAAAAAAAAAAAAAAAAAAAAIQAAABgAAAAUAAAABwsAAMUDAADHLAAAFR0AABAAAAAmAAAACAAAAAGAAAAAAAAA"/>
+                <pr:smNativeData xmlns:pr="smNativeData" xmlns="smNativeData" val="SMDATA_15_0rbXYhMAAAAlAAAAZAAAAA0AAAAAkAAAAEgAAACQAAAASAAAAAAAAAAAAAAAAAAAAAEAAABQAAAAAAAAAAAA4D8AAAAAAADgPwAAAAAAAOA/AAAAAAAA4D8AAAAAAADgPwAAAAAAAOA/AAAAAAAA4D8AAAAAAADgPwAAAAAAAOA/AAAAAAAA4D8CAAAAjAAAAAAAAAAAAAAAT4G9DP///wgAAAAAAAAAAAAAAAAAAAAAAAAAAAAAAAAAAAAAZAAAAAEAAABAAAAAAAAAAAAAAAAAAAAAAAAAAAAAAAAAAAAAAAAAAAAAAAAAAAAAAAAAAAAAAAAAAAAAAAAAAAAAAAAAAAAAAAAAAAAAAAAAAAAAAAAAAAAAAAAAAAAAFAAAADwAAAAAAAAAAAAAAAAAAAkUAAAAAQAAABQAAAAUAAAAFAAAAAEAAAAAAAAAZAAAAGQAAAAAAAAAZAAAAGQAAAAVAAAAYAAAAAAAAAAAAAAADwAAACADAAAAAAAAAAAAAAEAAACgMgAAVgcAAKr4//8BAAAAf39/AAEAAABkAAAAAAAAABQAAABAHwAAAAAAACYAAAAAAAAAwOD//wAAAAAmAAAAZAAAABYAAABMAAAAAAAAAAAAAAAEAAAAAAAAAAEAAADu7OEKAAAAACgAAAAoAAAAZAAAAGQAAAAAAAAAzMzMAAAAAABQAAAAUAAAAGQAAABkAAAAAAAAABcAAAAUAAAAAAAAAAAAAAD/fwAA/38AAAAAAAAJAAAABAAAAFRhcmceAAAAaAAAAAAAAAAAAAAAAAAAAAAAAAAAAAAAECcAABAnAAAAAAAAAAAAAAAAAAAAAAAAAAAAAAAAAAAAAAAAAAAAABQAAAAAAAAAwMD/AAAAAABkAAAAMgAAAAAAAABkAAAAAAAAAH9/fwAKAAAAIgAAABgAAAAAAAAAAAAAAAAAAAAAAAAAAAAAAAAAAAAkAAAAJAAAAAAAAAAHAAAAAAAAAAAAAAAAAAAAAAAAAAAAAAAAAAAAf39/ACUAAABYAAAAAAAAAAAAAAAAAAAAAAAAAAAAAAAAAAAAAAAAAAAAAAAAAAAAAAAAAAAAAAA/AAAAAAAAAKCGAQAAAAAAAAAAAAAAAAAMAAAAAQAAAAAAAAAAAAAAAAAAAB8AAABUAAAAAAAABQAAAAEAAAAAAAAAAAAAAAAAAAAAAAAAAAAAAAAAAAAAAAAAAAAAAAJ/f38AAAAAA8zMzADAwP8Af39/AAAAAAAAAAAAAAAAAAAAAAAAAAAAIQAAABgAAAAUAAAABwsAAMUDAADHLAAAFR0AABAAAAAmAAAACAAAAAGAAAAAAAAA"/>
               </a:ext>
             </a:extLst>
           </p:cNvSpPr>
@@ -2969,7 +2970,7 @@
             <a:spLocks noGrp="1" noChangeArrowheads="1"/>
             <a:extLst>
               <a:ext uri="smNativeData">
-                <pr:smNativeData xmlns:pr="smNativeData" xmlns="smNativeData" val="SMDATA_15_iunWYhMAAAAlAAAAZAAAAA0AAAAAkAAAAEgAAACQAAAASAAAAAAAAAAAAAAAAAAAAAEAAABQAAAAAAAAAAAA4D8AAAAAAADgPwAAAAAAAOA/AAAAAAAA4D8AAAAAAADgPwAAAAAAAOA/AAAAAAAA4D8AAAAAAADgPwAAAAAAAOA/AAAAAAAA4D8CAAAAjAAAAAAAAAAAAAAAT4G9DP///wgAAAAAAAAAAAAAAAAAAAAAAAAAAAAAAAAAAAAAZAAAAAEAAABAAAAAAAAAAAAAAAAAAAAAAAAAAAAAAAAAAAAAAAAAAAAAAAAAAAAAAAAAAAAAAAAAAAAAAAAAAAAAAAAAAAAAAAAAAAAAAAAAAAAAAAAAAAAAAAAAAAAAFAAAADwAAAAAAAAAAAAAAAAAAAkUAAAAAQAAABQAAAAUAAAAFAAAAAEAAAAAAAAAZAAAAGQAAAAAAAAAZAAAAGQAAAAVAAAAYAAAAAAAAAAAAAAADwAAACADAAAAAAAAAAAAAAEAAACgMgAAVgcAAKr4//8BAAAAf39/AAEAAABkAAAAAAAAABQAAABAHwAAAAAAACYAAAAAAAAAwOD//wAAAAAmAAAAZAAAABYAAABMAAAAAAAAAAAAAAAEAAAAAAAAAAEAAADu7OEKAAAAACgAAAAoAAAAZAAAAGQAAAAAAAAAzMzMAAAAAABQAAAAUAAAAGQAAABkAAAAAAAAABcAAAAUAAAAAAAAAAAAAAD/fwAA/38AAAAAAAAJAAAABAAAABB7SpceAAAAaAAAAAAAAAAAAAAAAAAAAAAAAAAAAAAAECcAABAnAAAAAAAAAAAAAAAAAAAAAAAAAAAAAAAAAAAAAAAAAAAAABQAAAAAAAAAwMD/AAAAAABkAAAAMgAAAAAAAABkAAAAAAAAAH9/fwAKAAAAIgAAABgAAAAAAAAAAAAAAAAAAAAAAAAAAAAAAAAAAAAkAAAAJAAAAAAAAAAHAAAAAAAAAAAAAAAAAAAAAAAAAAAAAAAAAAAAf39/ACUAAABYAAAAAAAAAAAAAAAAAAAAAAAAAAAAAAAAAAAAAAAAAAAAAAAAAAAAAAAAAAAAAAA/AAAAAAAAAKCGAQAAAAAAAAAAAAAAAAAMAAAAAQAAAAAAAAAAAAAAAAAAAB8AAABUAAAAAAAABQAAAAEAAAAAAAAAAAAAAAAAAAAAAAAAAAAAAAAAAAAAAAAAAAAAAAJ/f38AAAAAA8zMzADAwP8Af39/AAAAAAAAAAAAAAAAAAAAAAAAAAAAIQAAABgAAAAUAAAABwsAAAUhAADHLAAA+CUAABAAAAAmAAAACAAAAAGAAAAAAAAA"/>
+                <pr:smNativeData xmlns:pr="smNativeData" xmlns="smNativeData" val="SMDATA_15_0rbXYhMAAAAlAAAAZAAAAA0AAAAAkAAAAEgAAACQAAAASAAAAAAAAAAAAAAAAAAAAAEAAABQAAAAAAAAAAAA4D8AAAAAAADgPwAAAAAAAOA/AAAAAAAA4D8AAAAAAADgPwAAAAAAAOA/AAAAAAAA4D8AAAAAAADgPwAAAAAAAOA/AAAAAAAA4D8CAAAAjAAAAAAAAAAAAAAAT4G9DP///wgAAAAAAAAAAAAAAAAAAAAAAAAAAAAAAAAAAAAAZAAAAAEAAABAAAAAAAAAAAAAAAAAAAAAAAAAAAAAAAAAAAAAAAAAAAAAAAAAAAAAAAAAAAAAAAAAAAAAAAAAAAAAAAAAAAAAAAAAAAAAAAAAAAAAAAAAAAAAAAAAAAAAFAAAADwAAAAAAAAAAAAAAAAAAAkUAAAAAQAAABQAAAAUAAAAFAAAAAEAAAAAAAAAZAAAAGQAAAAAAAAAZAAAAGQAAAAVAAAAYAAAAAAAAAAAAAAADwAAACADAAAAAAAAAAAAAAEAAACgMgAAVgcAAKr4//8BAAAAf39/AAEAAABkAAAAAAAAABQAAABAHwAAAAAAACYAAAAAAAAAwOD//wAAAAAmAAAAZAAAABYAAABMAAAAAAAAAAAAAAAEAAAAAAAAAAEAAADu7OEKAAAAACgAAAAoAAAAZAAAAGQAAAAAAAAAzMzMAAAAAABQAAAAUAAAAGQAAABkAAAAAAAAABcAAAAUAAAAAAAAAAAAAAD/fwAA/38AAAAAAAAJAAAABAAAABB7SpceAAAAaAAAAAAAAAAAAAAAAAAAAAAAAAAAAAAAECcAABAnAAAAAAAAAAAAAAAAAAAAAAAAAAAAAAAAAAAAAAAAAAAAABQAAAAAAAAAwMD/AAAAAABkAAAAMgAAAAAAAABkAAAAAAAAAH9/fwAKAAAAIgAAABgAAAAAAAAAAAAAAAAAAAAAAAAAAAAAAAAAAAAkAAAAJAAAAAAAAAAHAAAAAAAAAAAAAAAAAAAAAAAAAAAAAAAAAAAAf39/ACUAAABYAAAAAAAAAAAAAAAAAAAAAAAAAAAAAAAAAAAAAAAAAAAAAAAAAAAAAAAAAAAAAAA/AAAAAAAAAKCGAQAAAAAAAAAAAAAAAAAMAAAAAQAAAAAAAAAAAAAAAAAAAB8AAABUAAAAAAAABQAAAAEAAAAAAAAAAAAAAAAAAAAAAAAAAAAAAAAAAAAAAAAAAAAAAAJ/f38AAAAAA8zMzADAwP8Af39/AAAAAAAAAAAAAAAAAAAAAAAAAAAAIQAAABgAAAAUAAAABwsAAAUhAADHLAAA+CUAABAAAAAmAAAACAAAAAGAAAAAAAAA"/>
               </a:ext>
             </a:extLst>
           </p:cNvSpPr>
@@ -3040,7 +3041,7 @@
             <a:spLocks noGrp="1" noChangeArrowheads="1"/>
             <a:extLst>
               <a:ext uri="smNativeData">
-                <pr:smNativeData xmlns:pr="smNativeData" xmlns="smNativeData" val="SMDATA_15_iunWYhMAAAAlAAAAZAAAAA0AAAAAkAAAAEgAAACQAAAASAAAAAAAAAABAAAAAAAAAAEAAABQAAAAAAAAAAAA4D8AAAAAAADgPwAAAAAAAOA/AAAAAAAA4D8AAAAAAADgPwAAAAAAAOA/AAAAAAAA4D8AAAAAAADgPwAAAAAAAOA/AAAAAAAA4D8CAAAAjAAAAAAAAAAAAAAAT4G9DP///wgAAAAAAAAAAAAAAAAAAAAAAAAAAAAAAAAAAAAAZAAAAAEAAABAAAAAAAAAAAAAAAAAAAAAAAAAAAAAAAAAAAAAAAAAAAAAAAAAAAAAAAAAAAAAAAAAAAAAAAAAAAAAAAAAAAAAAAAAAAAAAAAAAAAAAAAAAAAAAAAAAAAAFAAAADwAAAAAAAAAAAAAAAAAAAkUAAAAAQAAABQAAAAUAAAAFAAAAAEAAAAAAAAAZAAAAGQAAAAAAAAAZAAAAGQAAAAVAAAAYAAAAAAAAAAAAAAADwAAACADAAAAAAAAAAAAAAEAAACgMgAAVgcAAKr4//8BAAAAf39/AAEAAABkAAAAAAAAABQAAABAHwAAAAAAACYAAAAAAAAAwOD//wAAAAAmAAAAZAAAABYAAABMAAAAAAAAAAAAAAAEAAAAAAAAAAEAAADu7OEKAAAAACgAAAAoAAAAZAAAAGQAAAAAAAAAzMzMAAAAAABQAAAAUAAAAGQAAABkAAAAAAAAABcAAAAUAAAAAAAAAAAAAAD/fwAA/38AAAAAAAAJAAAABAAAAFRhcmceAAAAaAAAAAAAAAAAAAAAAAAAAAAAAAAAAAAAECcAABAnAAAAAAAAAAAAAAAAAAAAAAAAAAAAAAAAAAAAAAAAAAAAABQAAAAAAAAAwMD/AAAAAABkAAAAMgAAAAAAAABkAAAAAAAAAH9/fwAKAAAAIgAAABgAAAAAAAAAAAAAAAAAAAAAAAAAAAAAAAAAAAAkAAAAJAAAAAAAAAAHAAAAAAAAAAAAAAAAAAAAAAAAAAAAAAAAAAAAf39/ACUAAABYAAAAAAAAAAAAAAAAAAAAAAAAAAAAAAAAAAAAAAAAAAAAAAAAAAAAAAAAAAAAAAA/AAAAAAAAAKCGAQAAAAAAAAAAAAAAAAAMAAAAAQAAAAAAAAAAAAAAAAAAAB8AAABUAAAAAAAABQAAAAEAAAAAAAAAAAAAAAAAAAAAAAAAAAAAAAAAAAAAAAAAAAAAAAJ/f38AAAAAA8zMzADAwP8Af39/AAAAAAAAAAAAAAAAAAAAAAAAAAAAIQAAABgAAAAUAAAA0AIAABonAADwDwAAWSkAABAAAAAmAAAACAAAAAAAAAAAAAAA"/>
+                <pr:smNativeData xmlns:pr="smNativeData" xmlns="smNativeData" val="SMDATA_15_0rbXYhMAAAAlAAAAZAAAAA0AAAAAkAAAAEgAAACQAAAASAAAAAAAAAABAAAAAAAAAAEAAABQAAAAAAAAAAAA4D8AAAAAAADgPwAAAAAAAOA/AAAAAAAA4D8AAAAAAADgPwAAAAAAAOA/AAAAAAAA4D8AAAAAAADgPwAAAAAAAOA/AAAAAAAA4D8CAAAAjAAAAAAAAAAAAAAAT4G9DP///wgAAAAAAAAAAAAAAAAAAAAAAAAAAAAAAAAAAAAAZAAAAAEAAABAAAAAAAAAAAAAAAAAAAAAAAAAAAAAAAAAAAAAAAAAAAAAAAAAAAAAAAAAAAAAAAAAAAAAAAAAAAAAAAAAAAAAAAAAAAAAAAAAAAAAAAAAAAAAAAAAAAAAFAAAADwAAAAAAAAAAAAAAAAAAAkUAAAAAQAAABQAAAAUAAAAFAAAAAEAAAAAAAAAZAAAAGQAAAAAAAAAZAAAAGQAAAAVAAAAYAAAAAAAAAAAAAAADwAAACADAAAAAAAAAAAAAAEAAACgMgAAVgcAAKr4//8BAAAAf39/AAEAAABkAAAAAAAAABQAAABAHwAAAAAAACYAAAAAAAAAwOD//wAAAAAmAAAAZAAAABYAAABMAAAAAAAAAAAAAAAEAAAAAAAAAAEAAADu7OEKAAAAACgAAAAoAAAAZAAAAGQAAAAAAAAAzMzMAAAAAABQAAAAUAAAAGQAAABkAAAAAAAAABcAAAAUAAAAAAAAAAAAAAD/fwAA/38AAAAAAAAJAAAABAAAAFRhcmceAAAAaAAAAAAAAAAAAAAAAAAAAAAAAAAAAAAAECcAABAnAAAAAAAAAAAAAAAAAAAAAAAAAAAAAAAAAAAAAAAAAAAAABQAAAAAAAAAwMD/AAAAAABkAAAAMgAAAAAAAABkAAAAAAAAAH9/fwAKAAAAIgAAABgAAAAAAAAAAAAAAAAAAAAAAAAAAAAAAAAAAAAkAAAAJAAAAAAAAAAHAAAAAAAAAAAAAAAAAAAAAAAAAAAAAAAAAAAAf39/ACUAAABYAAAAAAAAAAAAAAAAAAAAAAAAAAAAAAAAAAAAAAAAAAAAAAAAAAAAAAAAAAAAAAA/AAAAAAAAAKCGAQAAAAAAAAAAAAAAAAAMAAAAAQAAAAAAAAAAAAAAAAAAAB8AAABUAAAAAAAABQAAAAEAAAAAAAAAAAAAAAAAAAAAAAAAAAAAAAAAAAAAAAAAAAAAAAJ/f38AAAAAA8zMzADAwP8Af39/AAAAAAAAAAAAAAAAAAAAAAAAAAAAIQAAABgAAAAUAAAA0AIAABonAADwDwAAWSkAABAAAAAmAAAACAAAAAAAAAAAAAAA"/>
               </a:ext>
             </a:extLst>
           </p:cNvSpPr>
@@ -3056,7 +3057,7 @@
             <a:pPr>
               <a:defRPr lang="fr-fr"/>
             </a:pPr>
-            <a:fld id="{662E3BE9-A78B-7BCD-C596-519875D83304}" type="datetime1">
+            <a:fld id="{57DBA4D2-9CBA-8E52-F463-6A07EA2D023F}" type="datetime1">
               <a:t>1/04/15</a:t>
             </a:fld>
           </a:p>
@@ -3069,7 +3070,7 @@
             <a:spLocks noGrp="1" noChangeArrowheads="1"/>
             <a:extLst>
               <a:ext uri="smNativeData">
-                <pr:smNativeData xmlns:pr="smNativeData" xmlns="smNativeData" val="SMDATA_15_iunWYhMAAAAlAAAAZAAAAA0AAAAAkAAAAEgAAACQAAAASAAAAAAAAAABAAAAAAAAAAEAAABQAAAAAAAAAAAA4D8AAAAAAADgPwAAAAAAAOA/AAAAAAAA4D8AAAAAAADgPwAAAAAAAOA/AAAAAAAA4D8AAAAAAADgPwAAAAAAAOA/AAAAAAAA4D8CAAAAjAAAAAAAAAAAAAAAT4G9DP///wgAAAAAAAAAAAAAAAAAAAAAAAAAAAAAAAAAAAAAZAAAAAEAAABAAAAAAAAAAAAAAAAAAAAAAAAAAAAAAAAAAAAAAAAAAAAAAAAAAAAAAAAAAAAAAAAAAAAAAAAAAAAAAAAAAAAAAAAAAAAAAAAAAAAAAAAAAAAAAAAAAAAAFAAAADwAAAAAAAAAAAAAAAAAAAkUAAAAAQAAABQAAAAUAAAAFAAAAAEAAAAAAAAAZAAAAGQAAAAAAAAAZAAAAGQAAAAVAAAAYAAAAAAAAAAAAAAADwAAACADAAAAAAAAAAAAAAEAAACgMgAAVgcAAKr4//8BAAAAf39/AAEAAABkAAAAAAAAABQAAABAHwAAAAAAACYAAAAAAAAAwOD//wAAAAAmAAAAZAAAABYAAABMAAAAAAAAAAAAAAAEAAAAAAAAAAEAAADu7OEKAAAAACgAAAAoAAAAZAAAAGQAAAAAAAAAzMzMAAAAAABQAAAAUAAAAGQAAABkAAAAAAAAABcAAAAUAAAAAAAAAAAAAAD/fwAA/38AAAAAAAAJAAAABAAAABB7SpceAAAAaAAAAAAAAAAAAAAAAAAAAAAAAAAAAAAAECcAABAnAAAAAAAAAAAAAAAAAAAAAAAAAAAAAAAAAAAAAAAAAAAAABQAAAAAAAAAwMD/AAAAAABkAAAAMgAAAAAAAABkAAAAAAAAAH9/fwAKAAAAIgAAABgAAAAAAAAAAAAAAAAAAAAAAAAAAAAAAAAAAAAkAAAAJAAAAAAAAAAHAAAAAAAAAAAAAAAAAAAAAAAAAAAAAAAAAAAAf39/ACUAAABYAAAAAAAAAAAAAAAAAAAAAAAAAAAAAAAAAAAAAAAAAAAAAAAAAAAAAAAAAAAAAAA/AAAAAAAAAKCGAQAAAAAAAAAAAAAAAAAMAAAAAQAAAAAAAAAAAAAAAAAAAB8AAABUAAAAAAAABQAAAAEAAAAAAAAAAAAAAAAAAAAAAAAAAAAAAAAAAAAAAAAAAAAAAAJ/f38AAAAAA8zMzADAwP8Af39/AAAAAAAAAAAAAAAAAAAAAAAAAAAAIQAAABgAAAAUAAAAOBMAABonAAAIJQAAWSkAABAAAAAmAAAACAAAAAAAAAAAAAAA"/>
+                <pr:smNativeData xmlns:pr="smNativeData" xmlns="smNativeData" val="SMDATA_15_0rbXYhMAAAAlAAAAZAAAAA0AAAAAkAAAAEgAAACQAAAASAAAAAAAAAABAAAAAAAAAAEAAABQAAAAAAAAAAAA4D8AAAAAAADgPwAAAAAAAOA/AAAAAAAA4D8AAAAAAADgPwAAAAAAAOA/AAAAAAAA4D8AAAAAAADgPwAAAAAAAOA/AAAAAAAA4D8CAAAAjAAAAAAAAAAAAAAAT4G9DP///wgAAAAAAAAAAAAAAAAAAAAAAAAAAAAAAAAAAAAAZAAAAAEAAABAAAAAAAAAAAAAAAAAAAAAAAAAAAAAAAAAAAAAAAAAAAAAAAAAAAAAAAAAAAAAAAAAAAAAAAAAAAAAAAAAAAAAAAAAAAAAAAAAAAAAAAAAAAAAAAAAAAAAFAAAADwAAAAAAAAAAAAAAAAAAAkUAAAAAQAAABQAAAAUAAAAFAAAAAEAAAAAAAAAZAAAAGQAAAAAAAAAZAAAAGQAAAAVAAAAYAAAAAAAAAAAAAAADwAAACADAAAAAAAAAAAAAAEAAACgMgAAVgcAAKr4//8BAAAAf39/AAEAAABkAAAAAAAAABQAAABAHwAAAAAAACYAAAAAAAAAwOD//wAAAAAmAAAAZAAAABYAAABMAAAAAAAAAAAAAAAEAAAAAAAAAAEAAADu7OEKAAAAACgAAAAoAAAAZAAAAGQAAAAAAAAAzMzMAAAAAABQAAAAUAAAAGQAAABkAAAAAAAAABcAAAAUAAAAAAAAAAAAAAD/fwAA/38AAAAAAAAJAAAABAAAABB7SpceAAAAaAAAAAAAAAAAAAAAAAAAAAAAAAAAAAAAECcAABAnAAAAAAAAAAAAAAAAAAAAAAAAAAAAAAAAAAAAAAAAAAAAABQAAAAAAAAAwMD/AAAAAABkAAAAMgAAAAAAAABkAAAAAAAAAH9/fwAKAAAAIgAAABgAAAAAAAAAAAAAAAAAAAAAAAAAAAAAAAAAAAAkAAAAJAAAAAAAAAAHAAAAAAAAAAAAAAAAAAAAAAAAAAAAAAAAAAAAf39/ACUAAABYAAAAAAAAAAAAAAAAAAAAAAAAAAAAAAAAAAAAAAAAAAAAAAAAAAAAAAAAAAAAAAA/AAAAAAAAAKCGAQAAAAAAAAAAAAAAAAAMAAAAAQAAAAAAAAAAAAAAAAAAAB8AAABUAAAAAAAABQAAAAEAAAAAAAAAAAAAAAAAAAAAAAAAAAAAAAAAAAAAAAAAAAAAAAJ/f38AAAAAA8zMzADAwP8Af39/AAAAAAAAAAAAAAAAAAAAAAAAAAAAIQAAABgAAAAUAAAAOBMAABonAAAIJQAAWSkAABAAAAAmAAAACAAAAAAAAAAAAAAA"/>
               </a:ext>
             </a:extLst>
           </p:cNvSpPr>
@@ -3095,7 +3096,7 @@
             <a:spLocks noGrp="1" noChangeArrowheads="1"/>
             <a:extLst>
               <a:ext uri="smNativeData">
-                <pr:smNativeData xmlns:pr="smNativeData" xmlns="smNativeData" val="SMDATA_15_iunWYhMAAAAlAAAAZAAAAA0AAAAAkAAAAEgAAACQAAAASAAAAAAAAAABAAAAAAAAAAEAAABQAAAAAAAAAAAA4D8AAAAAAADgPwAAAAAAAOA/AAAAAAAA4D8AAAAAAADgPwAAAAAAAOA/AAAAAAAA4D8AAAAAAADgPwAAAAAAAOA/AAAAAAAA4D8CAAAAjAAAAAAAAAAAAAAAT4G9DP///wgAAAAAAAAAAAAAAAAAAAAAAAAAAAAAAAAAAAAAZAAAAAEAAABAAAAAAAAAAAAAAAAAAAAAAAAAAAAAAAAAAAAAAAAAAAAAAAAAAAAAAAAAAAAAAAAAAAAAAAAAAAAAAAAAAAAAAAAAAAAAAAAAAAAAAAAAAAAAAAAAAAAAFAAAADwAAAAAAAAAAAAAAAAAAAkUAAAAAQAAABQAAAAUAAAAFAAAAAEAAAAAAAAAZAAAAGQAAAAAAAAAZAAAAGQAAAAVAAAAYAAAAAAAAAAAAAAADwAAACADAAAAAAAAAAAAAAEAAACgMgAAVgcAAKr4//8BAAAAf39/AAEAAABkAAAAAAAAABQAAABAHwAAAAAAACYAAAAAAAAAwOD//wAAAAAmAAAAZAAAABYAAABMAAAAAAAAAAAAAAAEAAAAAAAAAAEAAADu7OEKAAAAACgAAAAoAAAAZAAAAGQAAAAAAAAAzMzMAAAAAABQAAAAUAAAAGQAAABkAAAAAAAAABcAAAAUAAAAAAAAAAAAAAD/fwAA/38AAAAAAAAJAAAABAAAAFRhcmceAAAAaAAAAAAAAAAAAAAAAAAAAAAAAAAAAAAAECcAABAnAAAAAAAAAAAAAAAAAAAAAAAAAAAAAAAAAAAAAAAAAAAAABQAAAAAAAAAwMD/AAAAAABkAAAAMgAAAAAAAABkAAAAAAAAAH9/fwAKAAAAIgAAABgAAAAAAAAAAAAAAAAAAAAAAAAAAAAAAAAAAAAkAAAAJAAAAAAAAAAHAAAAAAAAAAAAAAAAAAAAAAAAAAAAAAAAAAAAf39/ACUAAABYAAAAAAAAAAAAAAAAAAAAAAAAAAAAAAAAAAAAAAAAAAAAAAAAAAAAAAAAAAAAAAA/AAAAAAAAAKCGAQAAAAAAAAAAAAAAAAAMAAAAAQAAAAAAAAAAAAAAAAAAAB8AAABUAAAAAAAABQAAAAEAAAAAAAAAAAAAAAAAAAAAAAAAAAAAAAAAAAAAAAAAAAAAAAJ/f38AAAAAA8zMzADAwP8Af39/AAAAAAAAAAAAAAAAAAAAAAAAAAAAIQAAABgAAAAUAAAAUCgAABonAABwNQAAWSkAABAAAAAmAAAACAAAAAAAAAAAAAAA"/>
+                <pr:smNativeData xmlns:pr="smNativeData" xmlns="smNativeData" val="SMDATA_15_0rbXYhMAAAAlAAAAZAAAAA0AAAAAkAAAAEgAAACQAAAASAAAAAAAAAABAAAAAAAAAAEAAABQAAAAAAAAAAAA4D8AAAAAAADgPwAAAAAAAOA/AAAAAAAA4D8AAAAAAADgPwAAAAAAAOA/AAAAAAAA4D8AAAAAAADgPwAAAAAAAOA/AAAAAAAA4D8CAAAAjAAAAAAAAAAAAAAAT4G9DP///wgAAAAAAAAAAAAAAAAAAAAAAAAAAAAAAAAAAAAAZAAAAAEAAABAAAAAAAAAAAAAAAAAAAAAAAAAAAAAAAAAAAAAAAAAAAAAAAAAAAAAAAAAAAAAAAAAAAAAAAAAAAAAAAAAAAAAAAAAAAAAAAAAAAAAAAAAAAAAAAAAAAAAFAAAADwAAAAAAAAAAAAAAAAAAAkUAAAAAQAAABQAAAAUAAAAFAAAAAEAAAAAAAAAZAAAAGQAAAAAAAAAZAAAAGQAAAAVAAAAYAAAAAAAAAAAAAAADwAAACADAAAAAAAAAAAAAAEAAACgMgAAVgcAAKr4//8BAAAAf39/AAEAAABkAAAAAAAAABQAAABAHwAAAAAAACYAAAAAAAAAwOD//wAAAAAmAAAAZAAAABYAAABMAAAAAAAAAAAAAAAEAAAAAAAAAAEAAADu7OEKAAAAACgAAAAoAAAAZAAAAGQAAAAAAAAAzMzMAAAAAABQAAAAUAAAAGQAAABkAAAAAAAAABcAAAAUAAAAAAAAAAAAAAD/fwAA/38AAAAAAAAJAAAABAAAAFRhcmceAAAAaAAAAAAAAAAAAAAAAAAAAAAAAAAAAAAAECcAABAnAAAAAAAAAAAAAAAAAAAAAAAAAAAAAAAAAAAAAAAAAAAAABQAAAAAAAAAwMD/AAAAAABkAAAAMgAAAAAAAABkAAAAAAAAAH9/fwAKAAAAIgAAABgAAAAAAAAAAAAAAAAAAAAAAAAAAAAAAAAAAAAkAAAAJAAAAAAAAAAHAAAAAAAAAAAAAAAAAAAAAAAAAAAAAAAAAAAAf39/ACUAAABYAAAAAAAAAAAAAAAAAAAAAAAAAAAAAAAAAAAAAAAAAAAAAAAAAAAAAAAAAAAAAAA/AAAAAAAAAKCGAQAAAAAAAAAAAAAAAAAMAAAAAQAAAAAAAAAAAAAAAAAAAB8AAABUAAAAAAAABQAAAAEAAAAAAAAAAAAAAAAAAAAAAAAAAAAAAAAAAAAAAAAAAAAAAAJ/f38AAAAAA8zMzADAwP8Af39/AAAAAAAAAAAAAAAAAAAAAAAAAAAAIQAAABgAAAAUAAAAUCgAABonAABwNQAAWSkAABAAAAAmAAAACAAAAAAAAAAAAAAA"/>
               </a:ext>
             </a:extLst>
           </p:cNvSpPr>
@@ -3111,7 +3112,7 @@
             <a:pPr>
               <a:defRPr lang="fr-fr"/>
             </a:pPr>
-            <a:fld id="{0EF1533D-73E3-A4A5-AD49-85F01D075BD0}" type="slidenum">
+            <a:fld id="{227D08DB-95CF-28FE-81C5-63AB468B7736}" type="slidenum">
               <a:t>‹#›</a:t>
             </a:fld>
           </a:p>
@@ -3158,7 +3159,7 @@
             <a:spLocks noGrp="1" noChangeArrowheads="1"/>
             <a:extLst>
               <a:ext uri="smNativeData">
-                <pr:smNativeData xmlns:pr="smNativeData" xmlns="smNativeData" val="SMDATA_15_iunWYhMAAAAlAAAAZAAAAA0AAAAAkAAAAEgAAACQAAAASAAAAAAAAAABAAAAAAAAAAEAAABQAAAAAAAAAAAA4D8AAAAAAADgPwAAAAAAAOA/AAAAAAAA4D8AAAAAAADgPwAAAAAAAOA/AAAAAAAA4D8AAAAAAADgPwAAAAAAAOA/AAAAAAAA4D8CAAAAjAAAAAAAAAAAAAAA////AP///wgAAAAAAAAAAAAAAAAAAAAAAAAAAAAAAAAAAAAAeAAAAAEAAABAAAAAAAAAAAAAAABaAAAAAAAAAAAAAAAAAAAAAAAAAAAAAAAAAAAAAAAAAAAAAAAAAAAAAAAAAAAAAAAAAAAAAAAAAAAAAAAAAAAAAAAAAAAAAAAAAAAAFAAAADwAAAAAAAAAAAAAAAAAAAAPAAAAAQAAACMAAAAjAAAAIwAAAB4AAAAAAAAAZAAAAGQAAAAAAAAAZAAAAGQAAAAVAAAAYAAAAAAAAAAAAAAADwAAACADAAAAAAAAAAAAAAEAAACgMgAAVgcAAKr4//8BAAAAf39/AAEAAABkAAAAAAAAABQAAABAHwAAAAAAACYAAAAAAAAAwOD//wAAAAAmAAAAZAAAABYAAABMAAAAAAAAAAAAAAAEAAAAAAAAAAEAAADu7OEKAAAAACgAAAAoAAAAZAAAAGQAAAAAAAAAzMzMAAAAAABQAAAAUAAAAGQAAABkAAAAAAAAABcAAAAUAAAAAAAAAAAAAAD/fwAA/38AAAAAAAAJAAAABAAAADQwMCIeAAAAaAAAAAAAAAAAAAAAAAAAAAAAAAAAAAAAECcAABAnAAAAAAAAAAAAAAAAAAAAAAAAAAAAAAAAAAAAAAAAAAAAABQAAAAAAAAAwMD/AAAAAABkAAAAMgAAAAAAAABkAAAAAAAAAH9/fwAKAAAAIgAAABgAAAAAAAAAAAAAAAAAAAAAAAAAAAAAAAAAAAAkAAAAJAAAAAAAAAAHAAAAAAAAAAAAAAAAAAAAAAAAAAAAAAAAAAAAf39/ACUAAABYAAAAAAAAAAAAAAAAAAAAAAAAAAAAAAAAAAAAAAAAAAAAAAAAAAAAAAAAAAAAAAA/AAAAAAAAAKCGAQAAAAAAAAAAAAAAAAAMAAAAAQAAAAAAAAAAAAAAAAAAAB8AAABUAAAA////AAAAAAEAAAAAAAAAAAAAAAAAAAAAAAAAAAAAAAAAAAAAAAAAAAAAAAB/f38AAAAAA8zMzADAwP8Af39/AAAAAAAAAAAAAAAAAAAAAAAAAAAAIQAAABgAAAAUAAAA0AIAALEBAABwNQAAuQgAABAAAAAmAAAACAAAAL8vAAAAAAAA"/>
+                <pr:smNativeData xmlns:pr="smNativeData" xmlns="smNativeData" val="SMDATA_15_0rbXYhMAAAAlAAAAZAAAAA0AAAAAkAAAAEgAAACQAAAASAAAAAAAAAABAAAAAAAAAAEAAABQAAAAAAAAAAAA4D8AAAAAAADgPwAAAAAAAOA/AAAAAAAA4D8AAAAAAADgPwAAAAAAAOA/AAAAAAAA4D8AAAAAAADgPwAAAAAAAOA/AAAAAAAA4D8CAAAAjAAAAAAAAAAAAAAA////AP///wgAAAAAAAAAAAAAAAAAAAAAAAAAAAAAAAAAAAAAeAAAAAEAAABAAAAAAAAAAAAAAABaAAAAAAAAAAAAAAAAAAAAAAAAAAAAAAAAAAAAAAAAAAAAAAAAAAAAAAAAAAAAAAAAAAAAAAAAAAAAAAAAAAAAAAAAAAAAAAAAAAAAFAAAADwAAAAAAAAAAAAAAAAAAAAPAAAAAQAAACMAAAAjAAAAIwAAAB4AAAAAAAAAZAAAAGQAAAAAAAAAZAAAAGQAAAAVAAAAYAAAAAAAAAAAAAAADwAAACADAAAAAAAAAAAAAAEAAACgMgAAVgcAAKr4//8BAAAAf39/AAEAAABkAAAAAAAAABQAAABAHwAAAAAAACYAAAAAAAAAwOD//wAAAAAmAAAAZAAAABYAAABMAAAAAAAAAAAAAAAEAAAAAAAAAAEAAADu7OEKAAAAACgAAAAoAAAAZAAAAGQAAAAAAAAAzMzMAAAAAABQAAAAUAAAAGQAAABkAAAAAAAAABcAAAAUAAAAAAAAAAAAAAD/fwAA/38AAAAAAAAJAAAABAAAADQwMCIeAAAAaAAAAAAAAAAAAAAAAAAAAAAAAAAAAAAAECcAABAnAAAAAAAAAAAAAAAAAAAAAAAAAAAAAAAAAAAAAAAAAAAAABQAAAAAAAAAwMD/AAAAAABkAAAAMgAAAAAAAABkAAAAAAAAAH9/fwAKAAAAIgAAABgAAAAAAAAAAAAAAAAAAAAAAAAAAAAAAAAAAAAkAAAAJAAAAAAAAAAHAAAAAAAAAAAAAAAAAAAAAAAAAAAAAAAAAAAAf39/ACUAAABYAAAAAAAAAAAAAAAAAAAAAAAAAAAAAAAAAAAAAAAAAAAAAAAAAAAAAAAAAAAAAAA/AAAAAAAAAKCGAQAAAAAAAAAAAAAAAAAMAAAAAQAAAAAAAAAAAAAAAAAAAB8AAABUAAAA////AAAAAAEAAAAAAAAAAAAAAAAAAAAAAAAAAAAAAAAAAAAAAAAAAAAAAAB/f38AAAAAA8zMzADAwP8Af39/AAAAAAAAAAAAAAAAAAAAAAAAAAAAIQAAABgAAAAUAAAA0AIAALEBAABwNQAAuQgAABAAAAAmAAAACAAAAL8vAAAAAAAA"/>
               </a:ext>
             </a:extLst>
           </p:cNvSpPr>
@@ -3199,7 +3200,7 @@
             <a:spLocks noGrp="1" noChangeArrowheads="1"/>
             <a:extLst>
               <a:ext uri="smNativeData">
-                <pr:smNativeData xmlns:pr="smNativeData" xmlns="smNativeData" val="SMDATA_15_iunWYhMAAAAlAAAAZAAAAA0AAAAAkAAAAEgAAACQAAAASAAAAAAAAAAAAAAAAAAAAAEAAABQAAAAAAAAAAAA4D8AAAAAAADgPwAAAAAAAOA/AAAAAAAA4D8AAAAAAADgPwAAAAAAAOA/AAAAAAAA4D8AAAAAAADgPwAAAAAAAOA/AAAAAAAA4D8CAAAAjAAAAAAAAAAAAAAA////AP///wgAAAAAAAAAAAAAAAAAAAAAAAAAAAAAAAAAAAAAeAAAAAEAAABAAAAAAAAAAAAAAABaAAAAAAAAAAAAAAAAAAAAAAAAAAAAAAAAAAAAAAAAAAAAAAAAAAAAAAAAAAAAAAAAAAAAAAAAAAAAAAAAAAAAAAAAAAAAAAAAAAAAFAAAADwAAAAAAAAAAAAAAAAAAAAPAAAAAQAAACMAAAAjAAAAIwAAAB4AAAAAAAAAZAAAAGQAAAAAAAAAZAAAAGQAAAAVAAAAYAAAAAAAAAAAAAAADwAAACADAAAAAAAAAAAAAAEAAACgMgAAVgcAAKr4//8BAAAAf39/AAEAAABkAAAAAAAAABQAAABAHwAAAAAAACYAAAAAAAAAwOD//wAAAAAmAAAAZAAAABYAAABMAAAAAAAAAAAAAAAEAAAAAAAAAAEAAADu7OEKAAAAACgAAAAoAAAAZAAAAGQAAAAAAAAAzMzMAAAAAABQAAAAUAAAAGQAAABkAAAAAAAAABcAAAAUAAAAAAAAAAAAAAD/fwAA/38AAAAAAAAJAAAABAAAAEFFQUEeAAAAaAAAAAAAAAAAAAAAAAAAAAAAAAAAAAAAECcAABAnAAAAAAAAAAAAAAAAAAAAAAAAAAAAAAAAAAAAAAAAAAAAABQAAAAAAAAAwMD/AAAAAABkAAAAMgAAAAAAAABkAAAAAAAAAH9/fwAKAAAAIgAAABgAAAAAAAAAAAAAAAAAAAAAAAAAAAAAAAAAAAAkAAAAJAAAAAAAAAAHAAAAAAAAAAAAAAAAAAAAAAAAAAAAAAAAAAAAf39/ACUAAABYAAAAAAAAAAAAAAAAAAAAAAAAAAAAAAAAAAAAAAAAAAAAAAAAAAAAAAAAAAAAAAA/AAAAAAAAAKCGAQAAAAAAAAAAAAAAAAAMAAAAAQAAAAAAAAAAAAAAAAAAAB8AAABUAAAA////AAAAAAEAAAAAAAAAAAAAAAAAAAAAAAAAAAAAAAAAAAAAAAAAAAAAAAB/f38AAAAAA8zMzADAwP8Af39/AAAAAAAAAAAAAAAAAAAAAAAAAAAAIQAAABgAAAAUAAAA0AIAANgJAABwNQAAsCUAABAAAAAmAAAACAAAAD8vAAAAAAAA"/>
+                <pr:smNativeData xmlns:pr="smNativeData" xmlns="smNativeData" val="SMDATA_15_0rbXYhMAAAAlAAAAZAAAAA0AAAAAkAAAAEgAAACQAAAASAAAAAAAAAAAAAAAAAAAAAEAAABQAAAAAAAAAAAA4D8AAAAAAADgPwAAAAAAAOA/AAAAAAAA4D8AAAAAAADgPwAAAAAAAOA/AAAAAAAA4D8AAAAAAADgPwAAAAAAAOA/AAAAAAAA4D8CAAAAjAAAAAAAAAAAAAAA////AP///wgAAAAAAAAAAAAAAAAAAAAAAAAAAAAAAAAAAAAAeAAAAAEAAABAAAAAAAAAAAAAAABaAAAAAAAAAAAAAAAAAAAAAAAAAAAAAAAAAAAAAAAAAAAAAAAAAAAAAAAAAAAAAAAAAAAAAAAAAAAAAAAAAAAAAAAAAAAAAAAAAAAAFAAAADwAAAAAAAAAAAAAAAAAAAAPAAAAAQAAACMAAAAjAAAAIwAAAB4AAAAAAAAAZAAAAGQAAAAAAAAAZAAAAGQAAAAVAAAAYAAAAAAAAAAAAAAADwAAACADAAAAAAAAAAAAAAEAAACgMgAAVgcAAKr4//8BAAAAf39/AAEAAABkAAAAAAAAABQAAABAHwAAAAAAACYAAAAAAAAAwOD//wAAAAAmAAAAZAAAABYAAABMAAAAAAAAAAAAAAAEAAAAAAAAAAEAAADu7OEKAAAAACgAAAAoAAAAZAAAAGQAAAAAAAAAzMzMAAAAAABQAAAAUAAAAGQAAABkAAAAAAAAABcAAAAUAAAAAAAAAAAAAAD/fwAA/38AAAAAAAAJAAAABAAAAEFFQUEeAAAAaAAAAAAAAAAAAAAAAAAAAAAAAAAAAAAAECcAABAnAAAAAAAAAAAAAAAAAAAAAAAAAAAAAAAAAAAAAAAAAAAAABQAAAAAAAAAwMD/AAAAAABkAAAAMgAAAAAAAABkAAAAAAAAAH9/fwAKAAAAIgAAABgAAAAAAAAAAAAAAAAAAAAAAAAAAAAAAAAAAAAkAAAAJAAAAAAAAAAHAAAAAAAAAAAAAAAAAAAAAAAAAAAAAAAAAAAAf39/ACUAAABYAAAAAAAAAAAAAAAAAAAAAAAAAAAAAAAAAAAAAAAAAAAAAAAAAAAAAAAAAAAAAAA/AAAAAAAAAKCGAQAAAAAAAAAAAAAAAAAMAAAAAQAAAAAAAAAAAAAAAAAAAB8AAABUAAAA////AAAAAAEAAAAAAAAAAAAAAAAAAAAAAAAAAAAAAAAAAAAAAAAAAAAAAAB/f38AAAAAA8zMzADAwP8Af39/AAAAAAAAAAAAAAAAAAAAAAAAAAAAIQAAABgAAAAUAAAA0AIAANgJAABwNQAAsCUAABAAAAAmAAAACAAAAD8vAAAAAAAA"/>
               </a:ext>
             </a:extLst>
           </p:cNvSpPr>
@@ -3272,7 +3273,7 @@
             <a:spLocks noGrp="1" noChangeArrowheads="1"/>
             <a:extLst>
               <a:ext uri="smNativeData">
-                <pr:smNativeData xmlns:pr="smNativeData" xmlns="smNativeData" val="SMDATA_15_iunWYhMAAAAlAAAAZAAAAA0AAAAAkAAAAEgAAACQAAAASAAAAAAAAAABAAAAAAAAAAEAAABQAAAAAAAAAAAA4D8AAAAAAADgPwAAAAAAAOA/AAAAAAAA4D8AAAAAAADgPwAAAAAAAOA/AAAAAAAA4D8AAAAAAADgPwAAAAAAAOA/AAAAAAAA4D8CAAAAjAAAAAAAAAAAAAAA////AP///wgAAAAAAAAAAAAAAAAAAAAAAAAAAAAAAAAAAAAAeAAAAAEAAABAAAAAAAAAAAAAAABaAAAAAAAAAAAAAAAAAAAAAAAAAAAAAAAAAAAAAAAAAAAAAAAAAAAAAAAAAAAAAAAAAAAAAAAAAAAAAAAAAAAAAAAAAAAAAAAAAAAAFAAAADwAAAAAAAAAAAAAAAAAAAAPAAAAAQAAACMAAAAjAAAAIwAAAB4AAAAAAAAAZAAAAGQAAAAAAAAAZAAAAGQAAAAVAAAAYAAAAAAAAAAAAAAADwAAACADAAAAAAAAAAAAAAEAAACgMgAAVgcAAKr4//8BAAAAf39/AAEAAABkAAAAAAAAABQAAABAHwAAAAAAACYAAAAAAAAAwOD//wAAAAAmAAAAZAAAABYAAABMAAAAAAAAAAAAAAAEAAAAAAAAAAEAAADu7OEKAAAAACgAAAAoAAAAZAAAAGQAAAAAAAAAzMzMAAAAAABQAAAAUAAAAGQAAABkAAAAAAAAABcAAAAUAAAAAAAAAAAAAAD/fwAA/38AAAAAAAAJAAAABAAAAHIgc3oeAAAAaAAAAAAAAAAAAAAAAAAAAAAAAAAAAAAAECcAABAnAAAAAAAAAAAAAAAAAAAAAAAAAAAAAAAAAAAAAAAAAAAAABQAAAAAAAAAwMD/AAAAAABkAAAAMgAAAAAAAABkAAAAAAAAAH9/fwAKAAAAIgAAABgAAAAAAAAAAAAAAAAAAAAAAAAAAAAAAAAAAAAkAAAAJAAAAAAAAAAHAAAAAAAAAAAAAAAAAAAAAAAAAAAAAAAAAAAAf39/ACUAAABYAAAAAAAAAAAAAAAAAAAAAAAAAAAAAAAAAAAAAAAAAAAAAAAAAAAAAAAAAAAAAAA/AAAAAAAAAKCGAQAAAAAAAAAAAAAAAAAMAAAAAQAAAAAAAAAAAAAAAAAAAB8AAABUAAAA////AAAAAAEAAAAAAAAAAAAAAAAAAAAAAAAAAAAAAAAAAAAAAAAAAAAAAAB/f38AAAAAA8zMzADAwP8Af39/AAAAAAAAAAAAAAAAAAAAAAAAAAAAIQAAABgAAAAUAAAA0AIAABonAADwDwAAWSkAABAAAAAmAAAACAAAAL+PAAAAAAAA"/>
+                <pr:smNativeData xmlns:pr="smNativeData" xmlns="smNativeData" val="SMDATA_15_0rbXYhMAAAAlAAAAZAAAAA0AAAAAkAAAAEgAAACQAAAASAAAAAAAAAABAAAAAAAAAAEAAABQAAAAAAAAAAAA4D8AAAAAAADgPwAAAAAAAOA/AAAAAAAA4D8AAAAAAADgPwAAAAAAAOA/AAAAAAAA4D8AAAAAAADgPwAAAAAAAOA/AAAAAAAA4D8CAAAAjAAAAAAAAAAAAAAA////AP///wgAAAAAAAAAAAAAAAAAAAAAAAAAAAAAAAAAAAAAeAAAAAEAAABAAAAAAAAAAAAAAABaAAAAAAAAAAAAAAAAAAAAAAAAAAAAAAAAAAAAAAAAAAAAAAAAAAAAAAAAAAAAAAAAAAAAAAAAAAAAAAAAAAAAAAAAAAAAAAAAAAAAFAAAADwAAAAAAAAAAAAAAAAAAAAPAAAAAQAAACMAAAAjAAAAIwAAAB4AAAAAAAAAZAAAAGQAAAAAAAAAZAAAAGQAAAAVAAAAYAAAAAAAAAAAAAAADwAAACADAAAAAAAAAAAAAAEAAACgMgAAVgcAAKr4//8BAAAAf39/AAEAAABkAAAAAAAAABQAAABAHwAAAAAAACYAAAAAAAAAwOD//wAAAAAmAAAAZAAAABYAAABMAAAAAAAAAAAAAAAEAAAAAAAAAAEAAADu7OEKAAAAACgAAAAoAAAAZAAAAGQAAAAAAAAAzMzMAAAAAABQAAAAUAAAAGQAAABkAAAAAAAAABcAAAAUAAAAAAAAAAAAAAD/fwAA/38AAAAAAAAJAAAABAAAAHIgc3oeAAAAaAAAAAAAAAAAAAAAAAAAAAAAAAAAAAAAECcAABAnAAAAAAAAAAAAAAAAAAAAAAAAAAAAAAAAAAAAAAAAAAAAABQAAAAAAAAAwMD/AAAAAABkAAAAMgAAAAAAAABkAAAAAAAAAH9/fwAKAAAAIgAAABgAAAAAAAAAAAAAAAAAAAAAAAAAAAAAAAAAAAAkAAAAJAAAAAAAAAAHAAAAAAAAAAAAAAAAAAAAAAAAAAAAAAAAAAAAf39/ACUAAABYAAAAAAAAAAAAAAAAAAAAAAAAAAAAAAAAAAAAAAAAAAAAAAAAAAAAAAAAAAAAAAA/AAAAAAAAAKCGAQAAAAAAAAAAAAAAAAAMAAAAAQAAAAAAAAAAAAAAAAAAAB8AAABUAAAA////AAAAAAEAAAAAAAAAAAAAAAAAAAAAAAAAAAAAAAAAAAAAAAAAAAAAAAB/f38AAAAAA8zMzADAwP8Af39/AAAAAAAAAAAAAAAAAAAAAAAAAAAAIQAAABgAAAAUAAAA0AIAABonAADwDwAAWSkAABAAAAAmAAAACAAAAL+PAAAAAAAA"/>
               </a:ext>
             </a:extLst>
           </p:cNvSpPr>
@@ -3332,7 +3333,7 @@
             <a:pPr>
               <a:defRPr lang="fr-fr"/>
             </a:pPr>
-            <a:fld id="{6BEF101F-5186-BAE6-C857-A7B35E193EF2}" type="datetime1">
+            <a:fld id="{61C8001E-508C-9DF6-C270-A6A34E3E34F3}" type="datetime1">
               <a:t/>
             </a:fld>
           </a:p>
@@ -3345,7 +3346,7 @@
             <a:spLocks noGrp="1" noChangeArrowheads="1"/>
             <a:extLst>
               <a:ext uri="smNativeData">
-                <pr:smNativeData xmlns:pr="smNativeData" xmlns="smNativeData" val="SMDATA_15_iunWYhMAAAAlAAAAZAAAAA0AAAAAkAAAAEgAAACQAAAASAAAAAAAAAABAAAAAAAAAAEAAABQAAAAAAAAAAAA4D8AAAAAAADgPwAAAAAAAOA/AAAAAAAA4D8AAAAAAADgPwAAAAAAAOA/AAAAAAAA4D8AAAAAAADgPwAAAAAAAOA/AAAAAAAA4D8CAAAAjAAAAAAAAAAAAAAA////AP///wgAAAAAAAAAAAAAAAAAAAAAAAAAAAAAAAAAAAAAeAAAAAEAAABAAAAAAAAAAAAAAABaAAAAAAAAAAAAAAAAAAAAAAAAAAAAAAAAAAAAAAAAAAAAAAAAAAAAAAAAAAAAAAAAAAAAAAAAAAAAAAAAAAAAAAAAAAAAAAAAAAAAFAAAADwAAAAAAAAAAAAAAAAAAAAPAAAAAQAAACMAAAAjAAAAIwAAAB4AAAAAAAAAZAAAAGQAAAAAAAAAZAAAAGQAAAAVAAAAYAAAAAAAAAAAAAAADwAAACADAAAAAAAAAAAAAAEAAACgMgAAVgcAAKr4//8BAAAAf39/AAEAAABkAAAAAAAAABQAAABAHwAAAAAAACYAAAAAAAAAwOD//wAAAAAmAAAAZAAAABYAAABMAAAAAAAAAAAAAAAEAAAAAAAAAAEAAADu7OEKAAAAACgAAAAoAAAAZAAAAGQAAAAAAAAAzMzMAAAAAABQAAAAUAAAAGQAAABkAAAAAAAAABcAAAAUAAAAAAAAAAAAAAD/fwAA/38AAAAAAAAJAAAABAAAAEJRQUEeAAAAaAAAAAAAAAAAAAAAAAAAAAAAAAAAAAAAECcAABAnAAAAAAAAAAAAAAAAAAAAAAAAAAAAAAAAAAAAAAAAAAAAABQAAAAAAAAAwMD/AAAAAABkAAAAMgAAAAAAAABkAAAAAAAAAH9/fwAKAAAAIgAAABgAAAAAAAAAAAAAAAAAAAAAAAAAAAAAAAAAAAAkAAAAJAAAAAAAAAAHAAAAAAAAAAAAAAAAAAAAAAAAAAAAAAAAAAAAf39/ACUAAABYAAAAAAAAAAAAAAAAAAAAAAAAAAAAAAAAAAAAAAAAAAAAAAAAAAAAAAAAAAAAAAA/AAAAAAAAAKCGAQAAAAAAAAAAAAAAAAAMAAAAAQAAAAAAAAAAAAAAAAAAAB8AAABUAAAA////AAAAAAEAAAAAAAAAAAAAAAAAAAAAAAAAAAAAAAAAAAAAAAAAAAAAAAB/f38AAAAAA8zMzADAwP8Af39/AAAAAAAAAAAAAAAAAAAAAAAAAAAAIQAAABgAAAAUAAAAOBMAABonAAAIJQAAWSkAABAAAAAmAAAACAAAAL+PAAAAAAAA"/>
+                <pr:smNativeData xmlns:pr="smNativeData" xmlns="smNativeData" val="SMDATA_15_0rbXYhMAAAAlAAAAZAAAAA0AAAAAkAAAAEgAAACQAAAASAAAAAAAAAABAAAAAAAAAAEAAABQAAAAAAAAAAAA4D8AAAAAAADgPwAAAAAAAOA/AAAAAAAA4D8AAAAAAADgPwAAAAAAAOA/AAAAAAAA4D8AAAAAAADgPwAAAAAAAOA/AAAAAAAA4D8CAAAAjAAAAAAAAAAAAAAA////AP///wgAAAAAAAAAAAAAAAAAAAAAAAAAAAAAAAAAAAAAeAAAAAEAAABAAAAAAAAAAAAAAABaAAAAAAAAAAAAAAAAAAAAAAAAAAAAAAAAAAAAAAAAAAAAAAAAAAAAAAAAAAAAAAAAAAAAAAAAAAAAAAAAAAAAAAAAAAAAAAAAAAAAFAAAADwAAAAAAAAAAAAAAAAAAAAPAAAAAQAAACMAAAAjAAAAIwAAAB4AAAAAAAAAZAAAAGQAAAAAAAAAZAAAAGQAAAAVAAAAYAAAAAAAAAAAAAAADwAAACADAAAAAAAAAAAAAAEAAACgMgAAVgcAAKr4//8BAAAAf39/AAEAAABkAAAAAAAAABQAAABAHwAAAAAAACYAAAAAAAAAwOD//wAAAAAmAAAAZAAAABYAAABMAAAAAAAAAAAAAAAEAAAAAAAAAAEAAADu7OEKAAAAACgAAAAoAAAAZAAAAGQAAAAAAAAAzMzMAAAAAABQAAAAUAAAAGQAAABkAAAAAAAAABcAAAAUAAAAAAAAAAAAAAD/fwAA/38AAAAAAAAJAAAABAAAAEJRQUEeAAAAaAAAAAAAAAAAAAAAAAAAAAAAAAAAAAAAECcAABAnAAAAAAAAAAAAAAAAAAAAAAAAAAAAAAAAAAAAAAAAAAAAABQAAAAAAAAAwMD/AAAAAABkAAAAMgAAAAAAAABkAAAAAAAAAH9/fwAKAAAAIgAAABgAAAAAAAAAAAAAAAAAAAAAAAAAAAAAAAAAAAAkAAAAJAAAAAAAAAAHAAAAAAAAAAAAAAAAAAAAAAAAAAAAAAAAAAAAf39/ACUAAABYAAAAAAAAAAAAAAAAAAAAAAAAAAAAAAAAAAAAAAAAAAAAAAAAAAAAAAAAAAAAAAA/AAAAAAAAAKCGAQAAAAAAAAAAAAAAAAAMAAAAAQAAAAAAAAAAAAAAAAAAAB8AAABUAAAA////AAAAAAEAAAAAAAAAAAAAAAAAAAAAAAAAAAAAAAAAAAAAAAAAAAAAAAB/f38AAAAAA8zMzADAwP8Af39/AAAAAAAAAAAAAAAAAAAAAAAAAAAAIQAAABgAAAAUAAAAOBMAABonAAAIJQAAWSkAABAAAAAmAAAACAAAAL+PAAAAAAAA"/>
               </a:ext>
             </a:extLst>
           </p:cNvSpPr>
@@ -3415,7 +3416,7 @@
             <a:spLocks noGrp="1" noChangeArrowheads="1"/>
             <a:extLst>
               <a:ext uri="smNativeData">
-                <pr:smNativeData xmlns:pr="smNativeData" xmlns="smNativeData" val="SMDATA_15_iunWYhMAAAAlAAAAZAAAAA0AAAAAkAAAAEgAAACQAAAASAAAAAAAAAABAAAAAAAAAAEAAABQAAAAAAAAAAAA4D8AAAAAAADgPwAAAAAAAOA/AAAAAAAA4D8AAAAAAADgPwAAAAAAAOA/AAAAAAAA4D8AAAAAAADgPwAAAAAAAOA/AAAAAAAA4D8CAAAAjAAAAAAAAAAAAAAA////AP///wgAAAAAAAAAAAAAAAAAAAAAAAAAAAAAAAAAAAAAeAAAAAEAAABAAAAAAAAAAAAAAABaAAAAAAAAAAAAAAAAAAAAAAAAAAAAAAAAAAAAAAAAAAAAAAAAAAAAAAAAAAAAAAAAAAAAAAAAAAAAAAAAAAAAAAAAAAAAAAAAAAAAFAAAADwAAAAAAAAAAAAAAAAAAAAPAAAAAQAAACMAAAAjAAAAIwAAAB4AAAAAAAAAZAAAAGQAAAAAAAAAZAAAAGQAAAAVAAAAYAAAAAAAAAAAAAAADwAAACADAAAAAAAAAAAAAAEAAACgMgAAVgcAAKr4//8BAAAAf39/AAEAAABkAAAAAAAAABQAAABAHwAAAAAAACYAAAAAAAAAwOD//wAAAAAmAAAAZAAAABYAAABMAAAAAAAAAAAAAAAEAAAAAAAAAAEAAADu7OEKAAAAACgAAAAoAAAAZAAAAGQAAAAAAAAAzMzMAAAAAABQAAAAUAAAAGQAAABkAAAAAAAAABcAAAAUAAAAAAAAAAAAAAD/fwAA/38AAAAAAAAJAAAABAAAABAZAAAeAAAAaAAAAAAAAAAAAAAAAAAAAAAAAAAAAAAAECcAABAnAAAAAAAAAAAAAAAAAAAAAAAAAAAAAAAAAAAAAAAAAAAAABQAAAAAAAAAwMD/AAAAAABkAAAAMgAAAAAAAABkAAAAAAAAAH9/fwAKAAAAIgAAABgAAAAAAAAAAAAAAAAAAAAAAAAAAAAAAAAAAAAkAAAAJAAAAAAAAAAHAAAAAAAAAAAAAAAAAAAAAAAAAAAAAAAAAAAAf39/ACUAAABYAAAAAAAAAAAAAAAAAAAAAAAAAAAAAAAAAAAAAAAAAAAAAAAAAAAAAAAAAAAAAAA/AAAAAAAAAKCGAQAAAAAAAAAAAAAAAAAMAAAAAQAAAAAAAAAAAAAAAAAAAB8AAABUAAAA////AAAAAAEAAAAAAAAAAAAAAAAAAAAAAAAAAAAAAAAAAAAAAAAAAAAAAAB/f38AAAAAA8zMzADAwP8Af39/AAAAAAAAAAAAAAAAAAAAAAAAAAAAIQAAABgAAAAUAAAAUCgAABonAABwNQAAWSkAABAAAAAmAAAACAAAAL+PAAAAAAAA"/>
+                <pr:smNativeData xmlns:pr="smNativeData" xmlns="smNativeData" val="SMDATA_15_0rbXYhMAAAAlAAAAZAAAAA0AAAAAkAAAAEgAAACQAAAASAAAAAAAAAABAAAAAAAAAAEAAABQAAAAAAAAAAAA4D8AAAAAAADgPwAAAAAAAOA/AAAAAAAA4D8AAAAAAADgPwAAAAAAAOA/AAAAAAAA4D8AAAAAAADgPwAAAAAAAOA/AAAAAAAA4D8CAAAAjAAAAAAAAAAAAAAA////AP///wgAAAAAAAAAAAAAAAAAAAAAAAAAAAAAAAAAAAAAeAAAAAEAAABAAAAAAAAAAAAAAABaAAAAAAAAAAAAAAAAAAAAAAAAAAAAAAAAAAAAAAAAAAAAAAAAAAAAAAAAAAAAAAAAAAAAAAAAAAAAAAAAAAAAAAAAAAAAAAAAAAAAFAAAADwAAAAAAAAAAAAAAAAAAAAPAAAAAQAAACMAAAAjAAAAIwAAAB4AAAAAAAAAZAAAAGQAAAAAAAAAZAAAAGQAAAAVAAAAYAAAAAAAAAAAAAAADwAAACADAAAAAAAAAAAAAAEAAACgMgAAVgcAAKr4//8BAAAAf39/AAEAAABkAAAAAAAAABQAAABAHwAAAAAAACYAAAAAAAAAwOD//wAAAAAmAAAAZAAAABYAAABMAAAAAAAAAAAAAAAEAAAAAAAAAAEAAADu7OEKAAAAACgAAAAoAAAAZAAAAGQAAAAAAAAAzMzMAAAAAABQAAAAUAAAAGQAAABkAAAAAAAAABcAAAAUAAAAAAAAAAAAAAD/fwAA/38AAAAAAAAJAAAABAAAABAZAAAeAAAAaAAAAAAAAAAAAAAAAAAAAAAAAAAAAAAAECcAABAnAAAAAAAAAAAAAAAAAAAAAAAAAAAAAAAAAAAAAAAAAAAAABQAAAAAAAAAwMD/AAAAAABkAAAAMgAAAAAAAABkAAAAAAAAAH9/fwAKAAAAIgAAABgAAAAAAAAAAAAAAAAAAAAAAAAAAAAAAAAAAAAkAAAAJAAAAAAAAAAHAAAAAAAAAAAAAAAAAAAAAAAAAAAAAAAAAAAAf39/ACUAAABYAAAAAAAAAAAAAAAAAAAAAAAAAAAAAAAAAAAAAAAAAAAAAAAAAAAAAAAAAAAAAAA/AAAAAAAAAKCGAQAAAAAAAAAAAAAAAAAMAAAAAQAAAAAAAAAAAAAAAAAAAB8AAABUAAAA////AAAAAAEAAAAAAAAAAAAAAAAAAAAAAAAAAAAAAAAAAAAAAAAAAAAAAAB/f38AAAAAA8zMzADAwP8Af39/AAAAAAAAAAAAAAAAAAAAAAAAAAAAIQAAABgAAAAUAAAAUCgAABonAABwNQAAWSkAABAAAAAmAAAACAAAAL+PAAAAAAAA"/>
               </a:ext>
             </a:extLst>
           </p:cNvSpPr>
@@ -3475,7 +3476,7 @@
             <a:pPr>
               <a:defRPr lang="fr-fr"/>
             </a:pPr>
-            <a:fld id="{13609FD9-97FE-3569-B0D8-613CD1964634}" type="slidenum">
+            <a:fld id="{387834B1-FFD5-2DC2-9BC0-09977A8E6D5C}" type="slidenum">
               <a:t/>
             </a:fld>
           </a:p>
@@ -4154,7 +4155,7 @@
             <a:spLocks noGrp="1" noChangeArrowheads="1"/>
             <a:extLst>
               <a:ext uri="smNativeData">
-                <pr:smNativeData xmlns:pr="smNativeData" xmlns="smNativeData" val="SMDATA_15_iunWYhMAAAAlAAAAZAAAAA0AAAAAkAAAAEgAAACQAAAASAAAAAAAAAABAAAAAAAAAAEAAABQAAAAAAAAAAAA4D8AAAAAAADgPwAAAAAAAOA/AAAAAAAA4D8AAAAAAADgPwAAAAAAAOA/AAAAAAAA4D8AAAAAAADgPwAAAAAAAOA/AAAAAAAA4D8CAAAAjAAAAAAAAAAAAAAAT4G9DP///wgAAAAAAAAAAAAAAAAAAAAAAAAAAAAAAAAAAAAAZAAAAAEAAABAAAAAAAAAAAAAAAAAAAAAAAAAAAAAAAAAAAAAAAAAAAAAAAAAAAAAAAAAAAAAAAAAAAAAAAAAAAAAAAAAAAAAAAAAAAAAAAAAAAAAAAAAAAAAAAAAAAAAFAAAADwAAAAAAAAAAAAAAAAAAAkUAAAAAQAAABQAAAAUAAAAFAAAAAEAAAAAAAAAZAAAAGQAAAAAAAAAZAAAAGQAAAAVAAAAYAAAAAAAAAAAAAAADwAAACADAAAAAAAAAAAAAAEAAACgMgAAVgcAAKr4//8BAAAAf39/AAEAAABkAAAAAAAAABQAAABAHwAAAAAAACYAAAAAAAAAwOD//wAAAAAmAAAAZAAAABYAAABMAAAAAAAAAAAAAAAEAAAAAAAAAAEAAADu7OEKAAAAACgAAAAoAAAAZAAAAGQAAAAAAAAAzMzMAAAAAABQAAAAUAAAAGQAAABkAAAAAAAAABcAAAAUAAAAAAAAAAAAAAD/fwAA/38AAAAAAAAJAAAABAAAABB7SpceAAAAaAAAAAAAAAAAAAAAAAAAAAAAAAAAAAAAECcAABAnAAAAAAAAAAAAAAAAAAAAAAAAAAAAAAAAAAAAAAAAAAAAABQAAAAAAAAAwMD/AAAAAABkAAAAMgAAAAAAAABkAAAAAAAAAH9/fwAKAAAAIgAAABgAAAAAAAAAAAAAAAAAAAAAAAAAAAAAAAAAAAAkAAAAJAAAAAAAAAAHAAAAAAAAAAAAAAAAAAAAAAAAAAAAAAAAAAAAf39/ACUAAABYAAAAAAAAAAAAAAAAAAAAAAAAAAAAAAAAAAAAAAAAAAAAAAAAAAAAAAAAAAAAAAA/AAAAAAAAAKCGAQAAAAAAAAAAAAAAAAAMAAAAAQAAAAAAAAAAAAAAAAAAAB8AAABUAAAAT4G9Bf///wEAAAAAAAAAAAAAAAAAAAAAAAAAAAAAAAAAAAAAAAAAAAAAAAJ/f38A7uzhA8zMzADAwP8Af39/AAAAAAAAAAAAAAAAAAAAAAAAAAAAIQAAABgAAAAUAAAAOAQAABsNAAAINAAAJhYAABAAAAAmAAAACAAAAAAAAAAAAAAA"/>
+                <pr:smNativeData xmlns:pr="smNativeData" xmlns="smNativeData" val="SMDATA_15_0rbXYhMAAAAlAAAAZAAAAA0AAAAAkAAAAEgAAACQAAAASAAAAAAAAAABAAAAAAAAAAEAAABQAAAAAAAAAAAA4D8AAAAAAADgPwAAAAAAAOA/AAAAAAAA4D8AAAAAAADgPwAAAAAAAOA/AAAAAAAA4D8AAAAAAADgPwAAAAAAAOA/AAAAAAAA4D8CAAAAjAAAAAAAAAAAAAAAT4G9DP///wgAAAAAAAAAAAAAAAAAAAAAAAAAAAAAAAAAAAAAZAAAAAEAAABAAAAAAAAAAAAAAAAAAAAAAAAAAAAAAAAAAAAAAAAAAAAAAAAAAAAAAAAAAAAAAAAAAAAAAAAAAAAAAAAAAAAAAAAAAAAAAAAAAAAAAAAAAAAAAAAAAAAAFAAAADwAAAAAAAAAAAAAAAAAAAkUAAAAAQAAABQAAAAUAAAAFAAAAAEAAAAAAAAAZAAAAGQAAAAAAAAAZAAAAGQAAAAVAAAAYAAAAAAAAAAAAAAADwAAACADAAAAAAAAAAAAAAEAAACgMgAAVgcAAKr4//8BAAAAf39/AAEAAABkAAAAAAAAABQAAABAHwAAAAAAACYAAAAAAAAAwOD//wAAAAAmAAAAZAAAABYAAABMAAAAAAAAAAAAAAAEAAAAAAAAAAEAAADu7OEKAAAAACgAAAAoAAAAZAAAAGQAAAAAAAAAzMzMAAAAAABQAAAAUAAAAGQAAABkAAAAAAAAABcAAAAUAAAAAAAAAAAAAAD/fwAA/38AAAAAAAAJAAAABAAAABB7SpceAAAAaAAAAAAAAAAAAAAAAAAAAAAAAAAAAAAAECcAABAnAAAAAAAAAAAAAAAAAAAAAAAAAAAAAAAAAAAAAAAAAAAAABQAAAAAAAAAwMD/AAAAAABkAAAAMgAAAAAAAABkAAAAAAAAAH9/fwAKAAAAIgAAABgAAAAAAAAAAAAAAAAAAAAAAAAAAAAAAAAAAAAkAAAAJAAAAAAAAAAHAAAAAAAAAAAAAAAAAAAAAAAAAAAAAAAAAAAAf39/ACUAAABYAAAAAAAAAAAAAAAAAAAAAAAAAAAAAAAAAAAAAAAAAAAAAAAAAAAAAAAAAAAAAAA/AAAAAAAAAKCGAQAAAAAAAAAAAAAAAAAMAAAAAQAAAAAAAAAAAAAAAAAAAB8AAABUAAAAT4G9Bf///wEAAAAAAAAAAAAAAAAAAAAAAAAAAAAAAAAAAAAAAAAAAAAAAAJ/f38A7uzhA8zMzADAwP8Af39/AAAAAAAAAAAAAAAAAAAAAAAAAAAAIQAAABgAAAAUAAAAOAQAABsNAAAINAAAJhYAABAAAAAmAAAACAAAAAAAAAAAAAAA"/>
               </a:ext>
             </a:extLst>
           </p:cNvSpPr>
@@ -4183,7 +4184,7 @@
             <a:spLocks noGrp="1" noChangeArrowheads="1"/>
             <a:extLst>
               <a:ext uri="smNativeData">
-                <pr:smNativeData xmlns:pr="smNativeData" xmlns="smNativeData" val="SMDATA_15_iunWYhMAAAAlAAAAZAAAAA0AAAAAkAAAAEgAAACQAAAASAAAAAAAAAAAAAAAAAAAAAEAAABQAAAAAAAAAAAA4D8AAAAAAADgPwAAAAAAAOA/AAAAAAAA4D8AAAAAAADgPwAAAAAAAOA/AAAAAAAA4D8AAAAAAADgPwAAAAAAAOA/AAAAAAAA4D8CAAAAjAAAAAAAAAAAAAAAT4G9DP///wgAAAAAAAAAAAAAAAAAAAAAAAAAAAAAAAAAAAAAZAAAAAEAAABAAAAAAAAAAAAAAAAAAAAAAAAAAAAAAAAAAAAAAAAAAAAAAAAAAAAAAAAAAAAAAAAAAAAAAAAAAAAAAAAAAAAAAAAAAAAAAAAAAAAAAAAAAAAAAAAAAAAAFAAAADwAAAAAAAAAAAAAAAAAAAkUAAAAAQAAABQAAAAUAAAAFAAAAAEAAAAAAAAAZAAAAGQAAAAAAAAAZAAAAGQAAAAVAAAAYAAAAAAAAAAAAAAADwAAACADAAAAAAAAAAAAAAEAAACgMgAAVgcAAKr4//8BAAAAf39/AAEAAABkAAAAAAAAABQAAABAHwAAAAAAACYAAAAAAAAAwOD//wAAAAAmAAAAZAAAABYAAABMAAAAAAAAAAAAAAAEAAAAAAAAAAEAAADu7OEKAAAAACgAAAAoAAAAZAAAAGQAAAAAAAAAzMzMAAAAAABQAAAAUAAAAGQAAABkAAAAAAAAABcAAAAUAAAAAAAAAAAAAAD/fwAA/38AAAAAAAAJAAAABAAAAFRhcmceAAAAaAAAAAAAAAAAAAAAAAAAAAAAAAAAAAAAECcAABAnAAAAAAAAAAAAAAAAAAAAAAAAAAAAAAAAAAAAAAAAAAAAABQAAAAAAAAAwMD/AAAAAABkAAAAMgAAAAAAAABkAAAAAAAAAH9/fwAKAAAAIgAAABgAAAAAAAAAAAAAAAAAAAAAAAAAAAAAAAAAAAAkAAAAJAAAAAAAAAAHAAAAAAAAAAAAAAAAAAAAAAAAAAAAAAAAAAAAf39/ACUAAABYAAAAAAAAAAAAAAAAAAAAAAAAAAAAAAAAAAAAAAAAAAAAAAAAAAAAAAAAAAAAAAA/AAAAAAAAAKCGAQAAAAAAAAAAAAAAAAAMAAAAAQAAAAAAAAAAAAAAAAAAAB8AAABUAAAAT4G9Bf///wEAAAAAAAAAAAAAAAAAAAAAAAAAAAAAAAAAAAAAAAAAAAAAAAJ/f38A7uzhA8zMzADAwP8Af39/AAAAAAAAAAAAAAAAAAAAAAAAAAAAIQAAABgAAAAUAAAAcAgAAOgXAADQLwAAcCYAAAAAAAAmAAAACAAAAAEgAAAAAAAA"/>
+                <pr:smNativeData xmlns:pr="smNativeData" xmlns="smNativeData" val="SMDATA_15_0rbXYhMAAAAlAAAAZAAAAA0AAAAAkAAAAEgAAACQAAAASAAAAAAAAAAAAAAAAAAAAAEAAABQAAAAAAAAAAAA4D8AAAAAAADgPwAAAAAAAOA/AAAAAAAA4D8AAAAAAADgPwAAAAAAAOA/AAAAAAAA4D8AAAAAAADgPwAAAAAAAOA/AAAAAAAA4D8CAAAAjAAAAAAAAAAAAAAAT4G9DP///wgAAAAAAAAAAAAAAAAAAAAAAAAAAAAAAAAAAAAAZAAAAAEAAABAAAAAAAAAAAAAAAAAAAAAAAAAAAAAAAAAAAAAAAAAAAAAAAAAAAAAAAAAAAAAAAAAAAAAAAAAAAAAAAAAAAAAAAAAAAAAAAAAAAAAAAAAAAAAAAAAAAAAFAAAADwAAAAAAAAAAAAAAAAAAAkUAAAAAQAAABQAAAAUAAAAFAAAAAEAAAAAAAAAZAAAAGQAAAAAAAAAZAAAAGQAAAAVAAAAYAAAAAAAAAAAAAAADwAAACADAAAAAAAAAAAAAAEAAACgMgAAVgcAAKr4//8BAAAAf39/AAEAAABkAAAAAAAAABQAAABAHwAAAAAAACYAAAAAAAAAwOD//wAAAAAmAAAAZAAAABYAAABMAAAAAAAAAAAAAAAEAAAAAAAAAAEAAADu7OEKAAAAACgAAAAoAAAAZAAAAGQAAAAAAAAAzMzMAAAAAABQAAAAUAAAAGQAAABkAAAAAAAAABcAAAAUAAAAAAAAAAAAAAD/fwAA/38AAAAAAAAJAAAABAAAAFRhcmceAAAAaAAAAAAAAAAAAAAAAAAAAAAAAAAAAAAAECcAABAnAAAAAAAAAAAAAAAAAAAAAAAAAAAAAAAAAAAAAAAAAAAAABQAAAAAAAAAwMD/AAAAAABkAAAAMgAAAAAAAABkAAAAAAAAAH9/fwAKAAAAIgAAABgAAAAAAAAAAAAAAAAAAAAAAAAAAAAAAAAAAAAkAAAAJAAAAAAAAAAHAAAAAAAAAAAAAAAAAAAAAAAAAAAAAAAAAAAAf39/ACUAAABYAAAAAAAAAAAAAAAAAAAAAAAAAAAAAAAAAAAAAAAAAAAAAAAAAAAAAAAAAAAAAAA/AAAAAAAAAKCGAQAAAAAAAAAAAAAAAAAMAAAAAQAAAAAAAAAAAAAAAAAAAB8AAABUAAAAT4G9Bf///wEAAAAAAAAAAAAAAAAAAAAAAAAAAAAAAAAAAAAAAAAAAAAAAAJ/f38A7uzhA8zMzADAwP8Af39/AAAAAAAAAAAAAAAAAAAAAAAAAAAAIQAAABgAAAAUAAAAcAgAAOgXAADQLwAAcCYAAAAAAAAmAAAACAAAAAEgAAAAAAAA"/>
               </a:ext>
             </a:extLst>
           </p:cNvSpPr>
@@ -4283,7 +4284,7 @@
             <a:picLocks noChangeAspect="1"/>
             <a:extLst>
               <a:ext uri="smNativeData">
-                <pr:smNativeData xmlns:pr="smNativeData" xmlns="smNativeData" val="SMDATA_17_iunWYhMAAAAlAAAAEQAAAC0AAAAAkAAAAEgAAACQAAAASAAAAAAAAAAAAAAAAAAAAAEAAABQAAAAAAAAAAAA4D8AAAAAAADgPwAAAAAAAOA/AAAAAAAA4D8AAAAAAADgPwAAAAAAAOA/AAAAAAAA4D8AAAAAAADgPwAAAAAAAOA/AAAAAAAA4D8CAAAAjAAAAAAAAAAAAAAAT4G9DP///wgAAAAAAAAAAAAAAAAAAAAAAAAAAAAAAAAAAAAAZAAAAAEAAABAAAAAAAAAAAAAAAAAAAAAAAAAAAAAAAAAAAAAAAAAAAAAAAAAAAAAAAAAAAAAAAAAAAAAAAAAAAAAAAAAAAAAAAAAAAAAAAAAAAAAAAAAAAAAAAAAAAAAFAAAADwAAAAAAAAAAAAAAAAAAAkUAAAAAQAAABQAAAAUAAAAFAAAAAEAAAAAAAAAZAAAAGQAAAAAAAAAZAAAAGQAAAAVAAAAYAAAAAAAAAAAAAAADwAAACADAAAAAAAAAAAAAAEAAACgMgAAVgcAAKr4//8BAAAAf39/AAEAAABkAAAAAAAAABQAAABAHwAAAAAAACYAAAAAAAAAwOD//wAAAAAmAAAAZAAAABYAAABMAAAAAAAAAAAAAAAEAAAAAAAAAAEAAADu7OEKAAAAACgAAAAoAAAAZAAAAGQAAAAAAAAAzMzMAAAAAABQAAAAUAAAAGQAAABkAAAAAAAAAAcAAAA4AAAAAAAAAAAAAAAAAAAA////AAAAAAAAAAAAAAAAAAAAAAAAAAAAAAAAAAAAAABkAAAAZAAAAAAAAAAjAAAABAAAAGQAAAAXAAAAFAAAAAAAAAAAAAAA/38AAP9/AAAAAAAACQAAAAQAAAAAAAAAHgAAAGgAAAAAAAAAAAAAAAAAAAAAAAAAAAAAABAnAAAQJwAAAAAAAAAAAAAAAAAAAAAAAAAAAAAAAAAAAAAAAAAAAAAUAAAAAAAAAMDA/wAAAAAAZAAAADIAAAAAAAAAZAAAAAAAAAB/f38ACgAAACIAAAAYAAAAAAAAAAAAAAAAAAAAAAAAAAAAAAAAAAAAJAAAACQAAAAAAAAABwAAAAAAAAAAAAAAAAAAAAAAAAAAAAAAAAAAAH9/fwAlAAAAWAAAAAAAAAAAAAAAAAAAAAAAAAAAAAAAAAAAAAAAAAAAAAAAAAAAAAAAAAAAAAAAPwAAAAAAAACghgEAAAAAAAAAAAAAAAAADAAAAAEAAAAAAAAAAAAAAAAAAAAfAAAAVAAAAE+BvQX///8BAAAAAAAAAAAAAAAAAAAAAAAAAAAAAAAAAAAAAAAAAAAAAAACf39/AO7s4QPMzMwAwMD/AH9/fwAAAAAAAAAAAAAAAAD///8AAAAAACEAAAAYAAAAFAAAAPgWAACjAgAAcCEAABsNAAAQAAAAJgAAAAgAAAD//////////w=="/>
+                <pr:smNativeData xmlns:pr="smNativeData" xmlns="smNativeData" val="SMDATA_17_0rbXYhMAAAAlAAAAEQAAAC0AAAAAkAAAAEgAAACQAAAASAAAAAAAAAAAAAAAAAAAAAEAAABQAAAAAAAAAAAA4D8AAAAAAADgPwAAAAAAAOA/AAAAAAAA4D8AAAAAAADgPwAAAAAAAOA/AAAAAAAA4D8AAAAAAADgPwAAAAAAAOA/AAAAAAAA4D8CAAAAjAAAAAAAAAAAAAAAT4G9DP///wgAAAAAAAAAAAAAAAAAAAAAAAAAAAAAAAAAAAAAZAAAAAEAAABAAAAAAAAAAAAAAAAAAAAAAAAAAAAAAAAAAAAAAAAAAAAAAAAAAAAAAAAAAAAAAAAAAAAAAAAAAAAAAAAAAAAAAAAAAAAAAAAAAAAAAAAAAAAAAAAAAAAAFAAAADwAAAAAAAAAAAAAAAAAAAkUAAAAAQAAABQAAAAUAAAAFAAAAAEAAAAAAAAAZAAAAGQAAAAAAAAAZAAAAGQAAAAVAAAAYAAAAAAAAAAAAAAADwAAACADAAAAAAAAAAAAAAEAAACgMgAAVgcAAKr4//8BAAAAf39/AAEAAABkAAAAAAAAABQAAABAHwAAAAAAACYAAAAAAAAAwOD//wAAAAAmAAAAZAAAABYAAABMAAAAAAAAAAAAAAAEAAAAAAAAAAEAAADu7OEKAAAAACgAAAAoAAAAZAAAAGQAAAAAAAAAzMzMAAAAAABQAAAAUAAAAGQAAABkAAAAAAAAAAcAAAA4AAAAAAAAAAAAAAAAAAAA////AAAAAAAAAAAAAAAAAAAAAAAAAAAAAAAAAAAAAABkAAAAZAAAAAAAAAAjAAAABAAAAGQAAAAXAAAAFAAAAAAAAAAAAAAA/38AAP9/AAAAAAAACQAAAAQAAAAAAAAAHgAAAGgAAAAAAAAAAAAAAAAAAAAAAAAAAAAAABAnAAAQJwAAAAAAAAAAAAAAAAAAAAAAAAAAAAAAAAAAAAAAAAAAAAAUAAAAAAAAAMDA/wAAAAAAZAAAADIAAAAAAAAAZAAAAAAAAAB/f38ACgAAACIAAAAYAAAAAAAAAAAAAAAAAAAAAAAAAAAAAAAAAAAAJAAAACQAAAAAAAAABwAAAAAAAAAAAAAAAAAAAAAAAAAAAAAAAAAAAH9/fwAlAAAAWAAAAAAAAAAAAAAAAAAAAAAAAAAAAAAAAAAAAAAAAAAAAAAAAAAAAAAAAAAAAAAAPwAAAAAAAACghgEAAAAAAAAAAAAAAAAADAAAAAEAAAAAAAAAAAAAAAAAAAAfAAAAVAAAAE+BvQX///8BAAAAAAAAAAAAAAAAAAAAAAAAAAAAAAAAAAAAAAAAAAAAAAACf39/AO7s4QPMzMwAwMD/AH9/fwAAAAAAAAAAAAAAAAD///8AAAAAACEAAAAYAAAAFAAAAPgWAACjAgAAcCEAABsNAAAQAAAAJgAAAAgAAAD//////////w=="/>
               </a:ext>
             </a:extLst>
           </p:cNvPicPr>
@@ -4349,7 +4350,7 @@
             <a:spLocks noGrp="1" noChangeArrowheads="1"/>
             <a:extLst>
               <a:ext uri="smNativeData">
-                <pr:smNativeData xmlns:pr="smNativeData" xmlns="smNativeData" val="SMDATA_15_iunWYhMAAAAlAAAAZAAAAA0AAAAAkAAAAEgAAACQAAAASAAAAAAAAAABAAAAAAAAAAEAAABQAAAAAAAAAAAA4D8AAAAAAADgPwAAAAAAAOA/AAAAAAAA4D8AAAAAAADgPwAAAAAAAOA/AAAAAAAA4D8AAAAAAADgPwAAAAAAAOA/AAAAAAAA4D8CAAAAjAAAAAAAAAAAAAAAT4G9DP///wgAAAAAAAAAAAAAAAAAAAAAAAAAAAAAAAAAAAAAZAAAAAEAAABAAAAAAAAAAAAAAAAAAAAAAAAAAAAAAAAAAAAAAAAAAAAAAAAAAAAAAAAAAAAAAAAAAAAAAAAAAAAAAAAAAAAAAAAAAAAAAAAAAAAAAAAAAAAAAAAAAAAAFAAAADwAAAAAAAAAAAAAAAAAAAkUAAAAAQAAABQAAAAUAAAAFAAAAAEAAAAAAAAAZAAAAGQAAAAAAAAAZAAAAGQAAAAVAAAAYAAAAAAAAAAAAAAADwAAACADAAAAAAAAAAAAAAEAAACgMgAAVgcAAKr4//8BAAAAf39/AAEAAABkAAAAAAAAABQAAABAHwAAAAAAACYAAAAAAAAAwOD//wAAAAAmAAAAZAAAABYAAABMAAAAAAAAAAAAAAAEAAAAAAAAAAEAAADu7OEKAAAAACgAAAAoAAAAZAAAAGQAAAAAAAAAzMzMAAAAAABQAAAAUAAAAGQAAABkAAAAAAAAABcAAAAUAAAAAAAAAAAAAAD/fwAA/38AAAAAAAAJAAAABAAAALB1sOoeAAAAaAAAAAAAAAAAAAAAAAAAAAAAAAAAAAAAECcAABAnAAAAAAAAAAAAAAAAAAAAAAAAAAAAAAAAAAAAAAAAAAAAABQAAAAAAAAAwMD/AAAAAABkAAAAMgAAAAAAAABkAAAAAAAAAH9/fwAKAAAAIgAAABgAAAAAAAAAAAAAAAAAAAAAAAAAAAAAAAAAAAAkAAAAJAAAAAAAAAAHAAAAAAAAAAAAAAAAAAAAAAAAAAAAAAAAAAAAf39/ACUAAABYAAAAAAAAAAAAAAAAAAAAAAAAAAAAAAAAAAAAAAAAAAAAAAAAAAAAAAAAAAAAAAA/AAAAAAAAAKCGAQAAAAAAAAAAAAAAAAAMAAAAAQAAAAAAAAAAAAAAAAAAAB8AAABUAAAAT4G9Bf///wEAAAAAAAAAAAAAAAAAAAAAAAAAAAAAAAAAAAAAAAAAAAAAAAJ/f38A7uzhA8zMzADAwP8Af39/AAAAAAAAAAAAAAAAAAAAAAAAAAAAIQAAABgAAAAUAAAA0AIAALEBAABwNQAAuQgAABAAAAAmAAAACAAAAAAgAAAAAAAA"/>
+                <pr:smNativeData xmlns:pr="smNativeData" xmlns="smNativeData" val="SMDATA_15_0rbXYhMAAAAlAAAAZAAAAA0AAAAAkAAAAEgAAACQAAAASAAAAAAAAAABAAAAAAAAAAEAAABQAAAAAAAAAAAA4D8AAAAAAADgPwAAAAAAAOA/AAAAAAAA4D8AAAAAAADgPwAAAAAAAOA/AAAAAAAA4D8AAAAAAADgPwAAAAAAAOA/AAAAAAAA4D8CAAAAjAAAAAAAAAAAAAAAT4G9DP///wgAAAAAAAAAAAAAAAAAAAAAAAAAAAAAAAAAAAAAZAAAAAEAAABAAAAAAAAAAAAAAAAAAAAAAAAAAAAAAAAAAAAAAAAAAAAAAAAAAAAAAAAAAAAAAAAAAAAAAAAAAAAAAAAAAAAAAAAAAAAAAAAAAAAAAAAAAAAAAAAAAAAAFAAAADwAAAAAAAAAAAAAAAAAAAkUAAAAAQAAABQAAAAUAAAAFAAAAAEAAAAAAAAAZAAAAGQAAAAAAAAAZAAAAGQAAAAVAAAAYAAAAAAAAAAAAAAADwAAACADAAAAAAAAAAAAAAEAAACgMgAAVgcAAKr4//8BAAAAf39/AAEAAABkAAAAAAAAABQAAABAHwAAAAAAACYAAAAAAAAAwOD//wAAAAAmAAAAZAAAABYAAABMAAAAAAAAAAAAAAAEAAAAAAAAAAEAAADu7OEKAAAAACgAAAAoAAAAZAAAAGQAAAAAAAAAzMzMAAAAAABQAAAAUAAAAGQAAABkAAAAAAAAABcAAAAUAAAAAAAAAAAAAAD/fwAA/38AAAAAAAAJAAAABAAAALB1sOoeAAAAaAAAAAAAAAAAAAAAAAAAAAAAAAAAAAAAECcAABAnAAAAAAAAAAAAAAAAAAAAAAAAAAAAAAAAAAAAAAAAAAAAABQAAAAAAAAAwMD/AAAAAABkAAAAMgAAAAAAAABkAAAAAAAAAH9/fwAKAAAAIgAAABgAAAAAAAAAAAAAAAAAAAAAAAAAAAAAAAAAAAAkAAAAJAAAAAAAAAAHAAAAAAAAAAAAAAAAAAAAAAAAAAAAAAAAAAAAf39/ACUAAABYAAAAAAAAAAAAAAAAAAAAAAAAAAAAAAAAAAAAAAAAAAAAAAAAAAAAAAAAAAAAAAA/AAAAAAAAAKCGAQAAAAAAAAAAAAAAAAAMAAAAAQAAAAAAAAAAAAAAAAAAAB8AAABUAAAAT4G9Bf///wEAAAAAAAAAAAAAAAAAAAAAAAAAAAAAAAAAAAAAAAAAAAAAAAJ/f38A7uzhA8zMzADAwP8Af39/AAAAAAAAAAAAAAAAAAAAAAAAAAAAIQAAABgAAAAUAAAA0AIAALEBAABwNQAAuQgAABAAAAAmAAAACAAAAAAgAAAAAAAA"/>
               </a:ext>
             </a:extLst>
           </p:cNvSpPr>
@@ -4389,7 +4390,7 @@
             <a:picLocks noChangeAspect="1"/>
             <a:extLst>
               <a:ext uri="smNativeData">
-                <pr:smNativeData xmlns:pr="smNativeData" xmlns="smNativeData" val="SMDATA_17_iunWYhMAAAAlAAAAEQAAAC0AAAAAkAAAAEgAAACQAAAASAAAAAAAAAAAAAAAAAAAAAEAAABQAAAAAAAAAAAA4D8AAAAAAADgPwAAAAAAAOA/AAAAAAAA4D8AAAAAAADgPwAAAAAAAOA/AAAAAAAA4D8AAAAAAADgPwAAAAAAAOA/AAAAAAAA4D8CAAAAjAAAAAAAAAAAAAAAT4G9DP///wgAAAAAAAAAAAAAAAAAAAAAAAAAAAAAAAAAAAAAZAAAAAEAAABAAAAAAAAAAAAAAAAAAAAAAAAAAAAAAAAAAAAAAAAAAAAAAAAAAAAAAAAAAAAAAAAAAAAAAAAAAAAAAAAAAAAAAAAAAAAAAAAAAAAAAAAAAAAAAAAAAAAAFAAAADwAAAAAAAAAAAAAAAAAAAkUAAAAAQAAABQAAAAUAAAAFAAAAAEAAAAAAAAAZAAAAGQAAAAAAAAAZAAAAGQAAAAVAAAAYAAAAAAAAAAAAAAADwAAACADAAAAAAAAAAAAAAEAAACgMgAAVgcAAKr4//8BAAAAf39/AAEAAABkAAAAAAAAABQAAABAHwAAAAAAACYAAAAAAAAAwOD//wAAAAAmAAAAZAAAABYAAABMAAAAAAAAAAAAAAAEAAAAAAAAAAEAAADu7OEKAAAAACgAAAAoAAAAZAAAAGQAAAAAAAAAzMzMAAAAAABQAAAAUAAAAGQAAABkAAAAAAAAAAcAAAA4AAAAAAAAAAAAAAAAAAAA////AAAAAAAAAAAAAAAAAAAAAAAAAAAAAAAAAAAAAABkAAAAZAAAAAAAAAAjAAAABAAAAGQAAAAXAAAAFAAAAAAAAAAAAAAA/38AAP9/AAAAAAAACQAAAAQAAAAAAAAAHgAAAGgAAAAAAAAAAAAAAAAAAAAAAAAAAAAAABAnAAAQJwAAAAAAAAAAAAAAAAAAAAAAAAAAAAAAAAAAAAAAAAAAAAAUAAAAAAAAAMDA/wAAAAAAZAAAADIAAAAAAAAAZAAAAAAAAAB/f38ACgAAACIAAAAYAAAAAAAAAAAAAAAAAAAAAAAAAAAAAAAAAAAAJAAAACQAAAAAAAAABwAAAAAAAAAAAAAAAAAAAAAAAAAAAAAAAAAAAH9/fwAlAAAAWAAAAAAAAAAAAAAAAAAAAAAAAAAAAAAAAAAAAAAAAAAAAAAAAAAAAAAAAAAAAAAAPwAAAAAAAACghgEAAAAAAAAAAAAAAAAADAAAAAEAAAAAAAAAAAAAAAAAAAAfAAAAVAAAAE+BvQX///8BAAAAAAAAAAAAAAAAAAAAAAAAAAAAAAAAAAAAAAAAAAAAAAACf39/AO7s4QPMzMwAwMD/AH9/fwAAAAAAAAAAAAAAAAD///8AAAAAACEAAAAYAAAAFAAAAMf////ICgAAQDgAADAqAAAQAAAAJgAAAAgAAAD//////////w=="/>
+                <pr:smNativeData xmlns:pr="smNativeData" xmlns="smNativeData" val="SMDATA_17_0rbXYhMAAAAlAAAAEQAAAC0AAAAAkAAAAEgAAACQAAAASAAAAAAAAAAAAAAAAAAAAAEAAABQAAAAAAAAAAAA4D8AAAAAAADgPwAAAAAAAOA/AAAAAAAA4D8AAAAAAADgPwAAAAAAAOA/AAAAAAAA4D8AAAAAAADgPwAAAAAAAOA/AAAAAAAA4D8CAAAAjAAAAAAAAAAAAAAAT4G9DP///wgAAAAAAAAAAAAAAAAAAAAAAAAAAAAAAAAAAAAAZAAAAAEAAABAAAAAAAAAAAAAAAAAAAAAAAAAAAAAAAAAAAAAAAAAAAAAAAAAAAAAAAAAAAAAAAAAAAAAAAAAAAAAAAAAAAAAAAAAAAAAAAAAAAAAAAAAAAAAAAAAAAAAFAAAADwAAAAAAAAAAAAAAAAAAAkUAAAAAQAAABQAAAAUAAAAFAAAAAEAAAAAAAAAZAAAAGQAAAAAAAAAZAAAAGQAAAAVAAAAYAAAAAAAAAAAAAAADwAAACADAAAAAAAAAAAAAAEAAACgMgAAVgcAAKr4//8BAAAAf39/AAEAAABkAAAAAAAAABQAAABAHwAAAAAAACYAAAAAAAAAwOD//wAAAAAmAAAAZAAAABYAAABMAAAAAAAAAAAAAAAEAAAAAAAAAAEAAADu7OEKAAAAACgAAAAoAAAAZAAAAGQAAAAAAAAAzMzMAAAAAABQAAAAUAAAAGQAAABkAAAAAAAAAAcAAAA4AAAAAAAAAAAAAAAAAAAA////AAAAAAAAAAAAAAAAAAAAAAAAAAAAAAAAAAAAAABkAAAAZAAAAAAAAAAjAAAABAAAAGQAAAAXAAAAFAAAAAAAAAAAAAAA/38AAP9/AAAAAAAACQAAAAQAAAAAAAAAHgAAAGgAAAAAAAAAAAAAAAAAAAAAAAAAAAAAABAnAAAQJwAAAAAAAAAAAAAAAAAAAAAAAAAAAAAAAAAAAAAAAAAAAAAUAAAAAAAAAMDA/wAAAAAAZAAAADIAAAAAAAAAZAAAAAAAAAB/f38ACgAAACIAAAAYAAAAAAAAAAAAAAAAAAAAAAAAAAAAAAAAAAAAJAAAACQAAAAAAAAABwAAAAAAAAAAAAAAAAAAAAAAAAAAAAAAAAAAAH9/fwAlAAAAWAAAAAAAAAAAAAAAAAAAAAAAAAAAAAAAAAAAAAAAAAAAAAAAAAAAAAAAAAAAAAAAPwAAAAAAAACghgEAAAAAAAAAAAAAAAAADAAAAAEAAAAAAAAAAAAAAAAAAAAfAAAAVAAAAE+BvQX///8BAAAAAAAAAAAAAAAAAAAAAAAAAAAAAAAAAAAAAAAAAAAAAAACf39/AO7s4QPMzMwAwMD/AH9/fwAAAAAAAAAAAAAAAAD///8AAAAAACEAAAAYAAAAFAAAAMf////ICgAAQDgAADAqAAAQAAAAJgAAAAgAAAD//////////w=="/>
               </a:ext>
             </a:extLst>
           </p:cNvPicPr>
@@ -4455,7 +4456,7 @@
             <a:spLocks noGrp="1" noChangeArrowheads="1"/>
             <a:extLst>
               <a:ext uri="smNativeData">
-                <pr:smNativeData xmlns:pr="smNativeData" xmlns="smNativeData" val="SMDATA_15_iunWYhMAAAAlAAAAZAAAAA0AAAAAkAAAAEgAAACQAAAASAAAAAAAAAABAAAAAAAAAAEAAABQAAAAAAAAAAAA4D8AAAAAAADgPwAAAAAAAOA/AAAAAAAA4D8AAAAAAADgPwAAAAAAAOA/AAAAAAAA4D8AAAAAAADgPwAAAAAAAOA/AAAAAAAA4D8CAAAAjAAAAAAAAAAAAAAAT4G9DP///wgAAAAAAAAAAAAAAAAAAAAAAAAAAAAAAAAAAAAAZAAAAAEAAABAAAAAAAAAAAAAAAAAAAAAAAAAAAAAAAAAAAAAAAAAAAAAAAAAAAAAAAAAAAAAAAAAAAAAAAAAAAAAAAAAAAAAAAAAAAAAAAAAAAAAAAAAAAAAAAAAAAAAFAAAADwAAAAAAAAAAAAAAAAAAAkUAAAAAQAAABQAAAAUAAAAFAAAAAEAAAAAAAAAZAAAAGQAAAAAAAAAZAAAAGQAAAAVAAAAYAAAAAAAAAAAAAAADwAAACADAAAAAAAAAAAAAAEAAACgMgAAVgcAAKr4//8BAAAAf39/AAEAAABkAAAAAAAAABQAAABAHwAAAAAAACYAAAAAAAAAwOD//wAAAAAmAAAAZAAAABYAAABMAAAAAAAAAAAAAAAEAAAAAAAAAAEAAADu7OEKAAAAACgAAAAoAAAAZAAAAGQAAAAAAAAAzMzMAAAAAABQAAAAUAAAAGQAAABkAAAAAAAAABcAAAAUAAAAAAAAAAAAAAD/fwAA/38AAAAAAAAJAAAABAAAAAAAAAEeAAAAaAAAAAAAAAAAAAAAAAAAAAAAAAAAAAAAECcAABAnAAAAAAAAAAAAAAAAAAAAAAAAAAAAAAAAAAAAAAAAAAAAABQAAAAAAAAAwMD/AAAAAABkAAAAMgAAAAAAAABkAAAAAAAAAH9/fwAKAAAAIgAAABgAAAAAAAAAAAAAAAAAAAAAAAAAAAAAAAAAAAAkAAAAJAAAAAAAAAAHAAAAAAAAAAAAAAAAAAAAAAAAAAAAAAAAAAAAf39/ACUAAABYAAAAAAAAAAAAAAAAAAAAAAAAAAAAAAAAAAAAAAAAAAAAAAAAAAAAAAAAAAAAAAA/AAAAAAAAAKCGAQAAAAAAAAAAAAAAAAAMAAAAAQAAAAAAAAAAAAAAAAAAAB8AAABUAAAAT4G9Bf///wEAAAAAAAAAAAAAAAAAAAAAAAAAAAAAAAAAAAAAAAAAAAAAAAJ/f38A7uzhA8zMzADAwP8Af39/AAAAAAAAAAAAAAAAAAAAAAAAAAAAIQAAABgAAAAUAAAA0AIAALEBAABwNQAAuQgAABAAAAAmAAAACAAAAAAgAAAAAAAA"/>
+                <pr:smNativeData xmlns:pr="smNativeData" xmlns="smNativeData" val="SMDATA_15_0rbXYhMAAAAlAAAAZAAAAA0AAAAAkAAAAEgAAACQAAAASAAAAAAAAAABAAAAAAAAAAEAAABQAAAAAAAAAAAA4D8AAAAAAADgPwAAAAAAAOA/AAAAAAAA4D8AAAAAAADgPwAAAAAAAOA/AAAAAAAA4D8AAAAAAADgPwAAAAAAAOA/AAAAAAAA4D8CAAAAjAAAAAAAAAAAAAAAT4G9DP///wgAAAAAAAAAAAAAAAAAAAAAAAAAAAAAAAAAAAAAZAAAAAEAAABAAAAAAAAAAAAAAAAAAAAAAAAAAAAAAAAAAAAAAAAAAAAAAAAAAAAAAAAAAAAAAAAAAAAAAAAAAAAAAAAAAAAAAAAAAAAAAAAAAAAAAAAAAAAAAAAAAAAAFAAAADwAAAAAAAAAAAAAAAAAAAkUAAAAAQAAABQAAAAUAAAAFAAAAAEAAAAAAAAAZAAAAGQAAAAAAAAAZAAAAGQAAAAVAAAAYAAAAAAAAAAAAAAADwAAACADAAAAAAAAAAAAAAEAAACgMgAAVgcAAKr4//8BAAAAf39/AAEAAABkAAAAAAAAABQAAABAHwAAAAAAACYAAAAAAAAAwOD//wAAAAAmAAAAZAAAABYAAABMAAAAAAAAAAAAAAAEAAAAAAAAAAEAAADu7OEKAAAAACgAAAAoAAAAZAAAAGQAAAAAAAAAzMzMAAAAAABQAAAAUAAAAGQAAABkAAAAAAAAABcAAAAUAAAAAAAAAAAAAAD/fwAA/38AAAAAAAAJAAAABAAAAAAAAAEeAAAAaAAAAAAAAAAAAAAAAAAAAAAAAAAAAAAAECcAABAnAAAAAAAAAAAAAAAAAAAAAAAAAAAAAAAAAAAAAAAAAAAAABQAAAAAAAAAwMD/AAAAAABkAAAAMgAAAAAAAABkAAAAAAAAAH9/fwAKAAAAIgAAABgAAAAAAAAAAAAAAAAAAAAAAAAAAAAAAAAAAAAkAAAAJAAAAAAAAAAHAAAAAAAAAAAAAAAAAAAAAAAAAAAAAAAAAAAAf39/ACUAAABYAAAAAAAAAAAAAAAAAAAAAAAAAAAAAAAAAAAAAAAAAAAAAAAAAAAAAAAAAAAAAAA/AAAAAAAAAKCGAQAAAAAAAAAAAAAAAAAMAAAAAQAAAAAAAAAAAAAAAAAAAB8AAABUAAAAT4G9Bf///wEAAAAAAAAAAAAAAAAAAAAAAAAAAAAAAAAAAAAAAAAAAAAAAAJ/f38A7uzhA8zMzADAwP8Af39/AAAAAAAAAAAAAAAAAAAAAAAAAAAAIQAAABgAAAAUAAAA0AIAALEBAABwNQAAuQgAABAAAAAmAAAACAAAAAAgAAAAAAAA"/>
               </a:ext>
             </a:extLst>
           </p:cNvSpPr>
@@ -4495,7 +4496,7 @@
             <a:picLocks noChangeAspect="1"/>
             <a:extLst>
               <a:ext uri="smNativeData">
-                <pr:smNativeData xmlns:pr="smNativeData" xmlns="smNativeData" val="SMDATA_17_iunWYhMAAAAlAAAAEQAAAC0AAAAAkAAAAEgAAACQAAAASAAAAAAAAAAAAAAAAAAAAAEAAABQAAAAAAAAAAAA4D8AAAAAAADgPwAAAAAAAOA/AAAAAAAA4D8AAAAAAADgPwAAAAAAAOA/AAAAAAAA4D8AAAAAAADgPwAAAAAAAOA/AAAAAAAA4D8CAAAAjAAAAAAAAAAAAAAAT4G9DP///wgAAAAAAAAAAAAAAAAAAAAAAAAAAAAAAAAAAAAAZAAAAAEAAABAAAAAAAAAAAAAAAAAAAAAAAAAAAAAAAAAAAAAAAAAAAAAAAAAAAAAAAAAAAAAAAAAAAAAAAAAAAAAAAAAAAAAAAAAAAAAAAAAAAAAAAAAAAAAAAAAAAAAFAAAADwAAAAAAAAAAAAAAAAAAAkUAAAAAQAAABQAAAAUAAAAFAAAAAEAAAAAAAAAZAAAAGQAAAAAAAAAZAAAAGQAAAAVAAAAYAAAAAAAAAAAAAAADwAAACADAAAAAAAAAAAAAAEAAACgMgAAVgcAAKr4//8BAAAAf39/AAEAAABkAAAAAAAAABQAAABAHwAAAAAAACYAAAAAAAAAwOD//wAAAAAmAAAAZAAAABYAAABMAAAAAAAAAAAAAAAEAAAAAAAAAAEAAADu7OEKAAAAACgAAAAoAAAAZAAAAGQAAAAAAAAAzMzMAAAAAABQAAAAUAAAAGQAAABkAAAAAAAAAAcAAAA4AAAAAAAAAAAAAAAAAAAA////AAAAAAAAAAAAAAAAAAAAAAAAAAAAAAAAAAAAAABkAAAAZAAAAAAAAAAjAAAABAAAAGQAAAAXAAAAFAAAAAAAAAAAAAAA/38AAP9/AAAAAAAACQAAAAQAAAAAAAAAHgAAAGgAAAAAAAAAAAAAAAAAAAAAAAAAAAAAABAnAAAQJwAAAAAAAAAAAAAAAAAAAAAAAAAAAAAAAAAAAAAAAAAAAAAUAAAAAAAAAMDA/wAAAAAAZAAAADIAAAAAAAAAZAAAAAAAAAB/f38ACgAAACIAAAAYAAAAAAAAAAAAAAAAAAAAAAAAAAAAAAAAAAAAJAAAACQAAAAAAAAABwAAAAAAAAAAAAAAAAAAAAAAAAAAAAAAAAAAAH9/fwAlAAAAWAAAAAAAAAAAAAAAAAAAAAAAAAAAAAAAAAAAAAAAAAAAAAAAAAAAAAAAAAAAAAAAPwAAAAAAAACghgEAAAAAAAAAAAAAAAAADAAAAAEAAAAAAAAAAAAAAAAAAAAfAAAAVAAAAE+BvQX///8BAAAAAAAAAAAAAAAAAAAAAAAAAAAAAAAAAAAAAAAAAAAAAAACf39/AO7s4QPMzMwAwMD/AH9/fwAAAAAAAAAAAAAAAAD///8AAAAAACEAAAAYAAAAFAAAAO3///9ACwAAQDgAAGQqAAAQAAAAJgAAAAgAAAD//////////w=="/>
+                <pr:smNativeData xmlns:pr="smNativeData" xmlns="smNativeData" val="SMDATA_17_0rbXYhMAAAAlAAAAEQAAAC0AAAAAkAAAAEgAAACQAAAASAAAAAAAAAAAAAAAAAAAAAEAAABQAAAAAAAAAAAA4D8AAAAAAADgPwAAAAAAAOA/AAAAAAAA4D8AAAAAAADgPwAAAAAAAOA/AAAAAAAA4D8AAAAAAADgPwAAAAAAAOA/AAAAAAAA4D8CAAAAjAAAAAAAAAAAAAAAT4G9DP///wgAAAAAAAAAAAAAAAAAAAAAAAAAAAAAAAAAAAAAZAAAAAEAAABAAAAAAAAAAAAAAAAAAAAAAAAAAAAAAAAAAAAAAAAAAAAAAAAAAAAAAAAAAAAAAAAAAAAAAAAAAAAAAAAAAAAAAAAAAAAAAAAAAAAAAAAAAAAAAAAAAAAAFAAAADwAAAAAAAAAAAAAAAAAAAkUAAAAAQAAABQAAAAUAAAAFAAAAAEAAAAAAAAAZAAAAGQAAAAAAAAAZAAAAGQAAAAVAAAAYAAAAAAAAAAAAAAADwAAACADAAAAAAAAAAAAAAEAAACgMgAAVgcAAKr4//8BAAAAf39/AAEAAABkAAAAAAAAABQAAABAHwAAAAAAACYAAAAAAAAAwOD//wAAAAAmAAAAZAAAABYAAABMAAAAAAAAAAAAAAAEAAAAAAAAAAEAAADu7OEKAAAAACgAAAAoAAAAZAAAAGQAAAAAAAAAzMzMAAAAAABQAAAAUAAAAGQAAABkAAAAAAAAAAcAAAA4AAAAAAAAAAAAAAAAAAAA////AAAAAAAAAAAAAAAAAAAAAAAAAAAAAAAAAAAAAABkAAAAZAAAAAAAAAAjAAAABAAAAGQAAAAXAAAAFAAAAAAAAAAAAAAA/38AAP9/AAAAAAAACQAAAAQAAAAAAAAAHgAAAGgAAAAAAAAAAAAAAAAAAAAAAAAAAAAAABAnAAAQJwAAAAAAAAAAAAAAAAAAAAAAAAAAAAAAAAAAAAAAAAAAAAAUAAAAAAAAAMDA/wAAAAAAZAAAADIAAAAAAAAAZAAAAAAAAAB/f38ACgAAACIAAAAYAAAAAAAAAAAAAAAAAAAAAAAAAAAAAAAAAAAAJAAAACQAAAAAAAAABwAAAAAAAAAAAAAAAAAAAAAAAAAAAAAAAAAAAH9/fwAlAAAAWAAAAAAAAAAAAAAAAAAAAAAAAAAAAAAAAAAAAAAAAAAAAAAAAAAAAAAAAAAAAAAAPwAAAAAAAACghgEAAAAAAAAAAAAAAAAADAAAAAEAAAAAAAAAAAAAAAAAAAAfAAAAVAAAAE+BvQX///8BAAAAAAAAAAAAAAAAAAAAAAAAAAAAAAAAAAAAAAAAAAAAAAACf39/AO7s4QPMzMwAwMD/AH9/fwAAAAAAAAAAAAAAAAD///8AAAAAACEAAAAYAAAAFAAAAO3///9ACwAAQDgAAGQqAAAQAAAAJgAAAAgAAAD//////////w=="/>
               </a:ext>
             </a:extLst>
           </p:cNvPicPr>
@@ -4561,7 +4562,7 @@
             <a:spLocks noGrp="1" noChangeArrowheads="1"/>
             <a:extLst>
               <a:ext uri="smNativeData">
-                <pr:smNativeData xmlns:pr="smNativeData" xmlns="smNativeData" val="SMDATA_15_iunWYhMAAAAlAAAAZAAAAA0AAAAAkAAAAEgAAACQAAAASAAAAAAAAAABAAAAAAAAAAEAAABQAAAAAAAAAAAA4D8AAAAAAADgPwAAAAAAAOA/AAAAAAAA4D8AAAAAAADgPwAAAAAAAOA/AAAAAAAA4D8AAAAAAADgPwAAAAAAAOA/AAAAAAAA4D8CAAAAjAAAAAAAAAAAAAAAT4G9DP///wgAAAAAAAAAAAAAAAAAAAAAAAAAAAAAAAAAAAAAZAAAAAEAAABAAAAAAAAAAAAAAAAAAAAAAAAAAAAAAAAAAAAAAAAAAAAAAAAAAAAAAAAAAAAAAAAAAAAAAAAAAAAAAAAAAAAAAAAAAAAAAAAAAAAAAAAAAAAAAAAAAAAAFAAAADwAAAAAAAAAAAAAAAAAAAkUAAAAAQAAABQAAAAUAAAAFAAAAAEAAAAAAAAAZAAAAGQAAAAAAAAAZAAAAGQAAAAVAAAAYAAAAAAAAAAAAAAADwAAACADAAAAAAAAAAAAAAEAAACgMgAAVgcAAKr4//8BAAAAf39/AAEAAABkAAAAAAAAABQAAABAHwAAAAAAACYAAAAAAAAAwOD//wAAAAAmAAAAZAAAABYAAABMAAAAAAAAAAAAAAAEAAAAAAAAAAEAAADu7OEKAAAAACgAAAAoAAAAZAAAAGQAAAAAAAAAzMzMAAAAAABQAAAAUAAAAGQAAABkAAAAAAAAABcAAAAUAAAAAAAAAAAAAAD/fwAA/38AAAAAAAAJAAAABAAAAAAAAAAeAAAAaAAAAAAAAAAAAAAAAAAAAAAAAAAAAAAAECcAABAnAAAAAAAAAAAAAAAAAAAAAAAAAAAAAAAAAAAAAAAAAAAAABQAAAAAAAAAwMD/AAAAAABkAAAAMgAAAAAAAABkAAAAAAAAAH9/fwAKAAAAIgAAABgAAAAAAAAAAAAAAAAAAAAAAAAAAAAAAAAAAAAkAAAAJAAAAAAAAAAHAAAAAAAAAAAAAAAAAAAAAAAAAAAAAAAAAAAAf39/ACUAAABYAAAAAAAAAAAAAAAAAAAAAAAAAAAAAAAAAAAAAAAAAAAAAAAAAAAAAAAAAAAAAAA/AAAAAAAAAKCGAQAAAAAAAAAAAAAAAAAMAAAAAQAAAAAAAAAAAAAAAAAAAB8AAABUAAAAT4G9Bf///wEAAAAAAAAAAAAAAAAAAAAAAAAAAAAAAAAAAAAAAAAAAAAAAAJ/f38A7uzhA8zMzADAwP8Af39/AAAAAAAAAAAAAAAAAAAAAAAAAAAAIQAAABgAAAAUAAAA0AIAALEBAABwNQAAuQgAABAAAAAmAAAACAAAAAAgAAAAAAAA"/>
+                <pr:smNativeData xmlns:pr="smNativeData" xmlns="smNativeData" val="SMDATA_15_0rbXYhMAAAAlAAAAZAAAAA0AAAAAkAAAAEgAAACQAAAASAAAAAAAAAABAAAAAAAAAAEAAABQAAAAAAAAAAAA4D8AAAAAAADgPwAAAAAAAOA/AAAAAAAA4D8AAAAAAADgPwAAAAAAAOA/AAAAAAAA4D8AAAAAAADgPwAAAAAAAOA/AAAAAAAA4D8CAAAAjAAAAAAAAAAAAAAAT4G9DP///wgAAAAAAAAAAAAAAAAAAAAAAAAAAAAAAAAAAAAAZAAAAAEAAABAAAAAAAAAAAAAAAAAAAAAAAAAAAAAAAAAAAAAAAAAAAAAAAAAAAAAAAAAAAAAAAAAAAAAAAAAAAAAAAAAAAAAAAAAAAAAAAAAAAAAAAAAAAAAAAAAAAAAFAAAADwAAAAAAAAAAAAAAAAAAAkUAAAAAQAAABQAAAAUAAAAFAAAAAEAAAAAAAAAZAAAAGQAAAAAAAAAZAAAAGQAAAAVAAAAYAAAAAAAAAAAAAAADwAAACADAAAAAAAAAAAAAAEAAACgMgAAVgcAAKr4//8BAAAAf39/AAEAAABkAAAAAAAAABQAAABAHwAAAAAAACYAAAAAAAAAwOD//wAAAAAmAAAAZAAAABYAAABMAAAAAAAAAAAAAAAEAAAAAAAAAAEAAADu7OEKAAAAACgAAAAoAAAAZAAAAGQAAAAAAAAAzMzMAAAAAABQAAAAUAAAAGQAAABkAAAAAAAAABcAAAAUAAAAAAAAAAAAAAD/fwAA/38AAAAAAAAJAAAABAAAAAAAAAAeAAAAaAAAAAAAAAAAAAAAAAAAAAAAAAAAAAAAECcAABAnAAAAAAAAAAAAAAAAAAAAAAAAAAAAAAAAAAAAAAAAAAAAABQAAAAAAAAAwMD/AAAAAABkAAAAMgAAAAAAAABkAAAAAAAAAH9/fwAKAAAAIgAAABgAAAAAAAAAAAAAAAAAAAAAAAAAAAAAAAAAAAAkAAAAJAAAAAAAAAAHAAAAAAAAAAAAAAAAAAAAAAAAAAAAAAAAAAAAf39/ACUAAABYAAAAAAAAAAAAAAAAAAAAAAAAAAAAAAAAAAAAAAAAAAAAAAAAAAAAAAAAAAAAAAA/AAAAAAAAAKCGAQAAAAAAAAAAAAAAAAAMAAAAAQAAAAAAAAAAAAAAAAAAAB8AAABUAAAAT4G9Bf///wEAAAAAAAAAAAAAAAAAAAAAAAAAAAAAAAAAAAAAAAAAAAAAAAJ/f38A7uzhA8zMzADAwP8Af39/AAAAAAAAAAAAAAAAAAAAAAAAAAAAIQAAABgAAAAUAAAA0AIAALEBAABwNQAAuQgAABAAAAAmAAAACAAAAAAgAAAAAAAA"/>
               </a:ext>
             </a:extLst>
           </p:cNvSpPr>
@@ -4601,7 +4602,7 @@
             <a:picLocks noChangeAspect="1"/>
             <a:extLst>
               <a:ext uri="smNativeData">
-                <pr:smNativeData xmlns:pr="smNativeData" xmlns="smNativeData" val="SMDATA_17_iunWYhMAAAAlAAAAEQAAAC0AAAAAkAAAAEgAAACQAAAASAAAAAAAAAAAAAAAAAAAAAEAAABQAAAAAAAAAAAA4D8AAAAAAADgPwAAAAAAAOA/AAAAAAAA4D8AAAAAAADgPwAAAAAAAOA/AAAAAAAA4D8AAAAAAADgPwAAAAAAAOA/AAAAAAAA4D8CAAAAjAAAAAAAAAAAAAAAT4G9DP///wgAAAAAAAAAAAAAAAAAAAAAAAAAAAAAAAAAAAAAZAAAAAEAAABAAAAAAAAAAAAAAAAAAAAAAAAAAAAAAAAAAAAAAAAAAAAAAAAAAAAAAAAAAAAAAAAAAAAAAAAAAAAAAAAAAAAAAAAAAAAAAAAAAAAAAAAAAAAAAAAAAAAAFAAAADwAAAAAAAAAAAAAAAAAAAkUAAAAAQAAABQAAAAUAAAAFAAAAAEAAAAAAAAAZAAAAGQAAAAAAAAAZAAAAGQAAAAVAAAAYAAAAAAAAAAAAAAADwAAACADAAAAAAAAAAAAAAEAAACgMgAAVgcAAKr4//8BAAAAf39/AAEAAABkAAAAAAAAABQAAABAHwAAAAAAACYAAAAAAAAAwOD//wAAAAAmAAAAZAAAABYAAABMAAAAAAAAAAAAAAAEAAAAAAAAAAEAAADu7OEKAAAAACgAAAAoAAAAZAAAAGQAAAAAAAAAzMzMAAAAAABQAAAAUAAAAGQAAABkAAAAAAAAAAcAAAA4AAAAAAAAAAAAAAAAAAAA////AAAAAAAAAAAAAAAAAAAAAAAAAAAAAAAAAAAAAABkAAAAZAAAAAAAAAAjAAAABAAAAGQAAAAXAAAAFAAAAAAAAAAAAAAA/38AAP9/AAAAAAAACQAAAAQAAAAAAAAAHgAAAGgAAAAAAAAAAAAAAAAAAAAAAAAAAAAAABAnAAAQJwAAAAAAAAAAAAAAAAAAAAAAAAAAAAAAAAAAAAAAAAAAAAAUAAAAAAAAAMDA/wAAAAAAZAAAADIAAAAAAAAAZAAAAAAAAAB/f38ACgAAACIAAAAYAAAAAAAAAAAAAAAAAAAAAAAAAAAAAAAAAAAAJAAAACQAAAAAAAAABwAAAAAAAAAAAAAAAAAAAAAAAAAAAAAAAAAAAH9/fwAlAAAAWAAAAAAAAAAAAAAAAAAAAAAAAAAAAAAAAAAAAAAAAAAAAAAAAAAAAAAAAAAAAAAAPwAAAAAAAACghgEAAAAAAAAAAAAAAAAADAAAAAEAAAAAAAAAAAAAAAAAAAAfAAAAVAAAAE+BvQX///8BAAAAAAAAAAAAAAAAAAAAAAAAAAAAAAAAAAAAAAAAAAAAAAACf39/AO7s4QPMzMwAwMD/AH9/fwAAAAAAAAAAAAAAAAD///8AAAAAACEAAAAYAAAAFAAAAI7///+0CgAAQDgAADAqAAAQAAAAJgAAAAgAAAD//////////w=="/>
+                <pr:smNativeData xmlns:pr="smNativeData" xmlns="smNativeData" val="SMDATA_17_0rbXYhMAAAAlAAAAEQAAAC0AAAAAkAAAAEgAAACQAAAASAAAAAAAAAAAAAAAAAAAAAEAAABQAAAAAAAAAAAA4D8AAAAAAADgPwAAAAAAAOA/AAAAAAAA4D8AAAAAAADgPwAAAAAAAOA/AAAAAAAA4D8AAAAAAADgPwAAAAAAAOA/AAAAAAAA4D8CAAAAjAAAAAAAAAAAAAAAT4G9DP///wgAAAAAAAAAAAAAAAAAAAAAAAAAAAAAAAAAAAAAZAAAAAEAAABAAAAAAAAAAAAAAAAAAAAAAAAAAAAAAAAAAAAAAAAAAAAAAAAAAAAAAAAAAAAAAAAAAAAAAAAAAAAAAAAAAAAAAAAAAAAAAAAAAAAAAAAAAAAAAAAAAAAAFAAAADwAAAAAAAAAAAAAAAAAAAkUAAAAAQAAABQAAAAUAAAAFAAAAAEAAAAAAAAAZAAAAGQAAAAAAAAAZAAAAGQAAAAVAAAAYAAAAAAAAAAAAAAADwAAACADAAAAAAAAAAAAAAEAAACgMgAAVgcAAKr4//8BAAAAf39/AAEAAABkAAAAAAAAABQAAABAHwAAAAAAACYAAAAAAAAAwOD//wAAAAAmAAAAZAAAABYAAABMAAAAAAAAAAAAAAAEAAAAAAAAAAEAAADu7OEKAAAAACgAAAAoAAAAZAAAAGQAAAAAAAAAzMzMAAAAAABQAAAAUAAAAGQAAABkAAAAAAAAAAcAAAA4AAAAAAAAAAAAAAAAAAAA////AAAAAAAAAAAAAAAAAAAAAAAAAAAAAAAAAAAAAABkAAAAZAAAAAAAAAAjAAAABAAAAGQAAAAXAAAAFAAAAAAAAAAAAAAA/38AAP9/AAAAAAAACQAAAAQAAAAAAAAAHgAAAGgAAAAAAAAAAAAAAAAAAAAAAAAAAAAAABAnAAAQJwAAAAAAAAAAAAAAAAAAAAAAAAAAAAAAAAAAAAAAAAAAAAAUAAAAAAAAAMDA/wAAAAAAZAAAADIAAAAAAAAAZAAAAAAAAAB/f38ACgAAACIAAAAYAAAAAAAAAAAAAAAAAAAAAAAAAAAAAAAAAAAAJAAAACQAAAAAAAAABwAAAAAAAAAAAAAAAAAAAAAAAAAAAAAAAAAAAH9/fwAlAAAAWAAAAAAAAAAAAAAAAAAAAAAAAAAAAAAAAAAAAAAAAAAAAAAAAAAAAAAAAAAAAAAAPwAAAAAAAACghgEAAAAAAAAAAAAAAAAADAAAAAEAAAAAAAAAAAAAAAAAAAAfAAAAVAAAAE+BvQX///8BAAAAAAAAAAAAAAAAAAAAAAAAAAAAAAAAAAAAAAAAAAAAAAACf39/AO7s4QPMzMwAwMD/AH9/fwAAAAAAAAAAAAAAAAD///8AAAAAACEAAAAYAAAAFAAAAI7///+0CgAAQDgAADAqAAAQAAAAJgAAAAgAAAD//////////w=="/>
               </a:ext>
             </a:extLst>
           </p:cNvPicPr>
@@ -4667,7 +4668,7 @@
             <a:spLocks noGrp="1" noChangeArrowheads="1"/>
             <a:extLst>
               <a:ext uri="smNativeData">
-                <pr:smNativeData xmlns:pr="smNativeData" xmlns="smNativeData" val="SMDATA_15_iunWYhMAAAAlAAAAZAAAAA0AAAAAkAAAAEgAAACQAAAASAAAAAAAAAABAAAAAAAAAAEAAABQAAAAAAAAAAAA4D8AAAAAAADgPwAAAAAAAOA/AAAAAAAA4D8AAAAAAADgPwAAAAAAAOA/AAAAAAAA4D8AAAAAAADgPwAAAAAAAOA/AAAAAAAA4D8CAAAAjAAAAAAAAAAAAAAAT4G9DP///wgAAAAAAAAAAAAAAAAAAAAAAAAAAAAAAAAAAAAAZAAAAAEAAABAAAAAAAAAAAAAAAAAAAAAAAAAAAAAAAAAAAAAAAAAAAAAAAAAAAAAAAAAAAAAAAAAAAAAAAAAAAAAAAAAAAAAAAAAAAAAAAAAAAAAAAAAAAAAAAAAAAAAFAAAADwAAAAAAAAAAAAAAAAAAAkUAAAAAQAAABQAAAAUAAAAFAAAAAEAAAAAAAAAZAAAAGQAAAAAAAAAZAAAAGQAAAAVAAAAYAAAAAAAAAAAAAAADwAAACADAAAAAAAAAAAAAAEAAACgMgAAVgcAAKr4//8BAAAAf39/AAEAAABkAAAAAAAAABQAAABAHwAAAAAAACYAAAAAAAAAwOD//wAAAAAmAAAAZAAAABYAAABMAAAAAAAAAAAAAAAEAAAAAAAAAAEAAADu7OEKAAAAACgAAAAoAAAAZAAAAGQAAAAAAAAAzMzMAAAAAABQAAAAUAAAAGQAAABkAAAAAAAAABcAAAAUAAAAAAAAAAAAAAD/fwAA/38AAAAAAAAJAAAABAAAAAAAAAEeAAAAaAAAAAAAAAAAAAAAAAAAAAAAAAAAAAAAECcAABAnAAAAAAAAAAAAAAAAAAAAAAAAAAAAAAAAAAAAAAAAAAAAABQAAAAAAAAAwMD/AAAAAABkAAAAMgAAAAAAAABkAAAAAAAAAH9/fwAKAAAAIgAAABgAAAAAAAAAAAAAAAAAAAAAAAAAAAAAAAAAAAAkAAAAJAAAAAAAAAAHAAAAAAAAAAAAAAAAAAAAAAAAAAAAAAAAAAAAf39/ACUAAABYAAAAAAAAAAAAAAAAAAAAAAAAAAAAAAAAAAAAAAAAAAAAAAAAAAAAAAAAAAAAAAA/AAAAAAAAAKCGAQAAAAAAAAAAAAAAAAAMAAAAAQAAAAAAAAAAAAAAAAAAAB8AAABUAAAAT4G9Bf///wEAAAAAAAAAAAAAAAAAAAAAAAAAAAAAAAAAAAAAAAAAAAAAAAJ/f38A7uzhA8zMzADAwP8Af39/AAAAAAAAAAAAAAAAAAAAAAAAAAAAIQAAABgAAAAUAAAA0AIAALEBAABwNQAAuQgAABAAAAAmAAAACAAAAAAgAAAAAAAA"/>
+                <pr:smNativeData xmlns:pr="smNativeData" xmlns="smNativeData" val="SMDATA_15_0rbXYhMAAAAlAAAAZAAAAA0AAAAAkAAAAEgAAACQAAAASAAAAAAAAAABAAAAAAAAAAEAAABQAAAAAAAAAAAA4D8AAAAAAADgPwAAAAAAAOA/AAAAAAAA4D8AAAAAAADgPwAAAAAAAOA/AAAAAAAA4D8AAAAAAADgPwAAAAAAAOA/AAAAAAAA4D8CAAAAjAAAAAAAAAAAAAAAT4G9DP///wgAAAAAAAAAAAAAAAAAAAAAAAAAAAAAAAAAAAAAZAAAAAEAAABAAAAAAAAAAAAAAAAAAAAAAAAAAAAAAAAAAAAAAAAAAAAAAAAAAAAAAAAAAAAAAAAAAAAAAAAAAAAAAAAAAAAAAAAAAAAAAAAAAAAAAAAAAAAAAAAAAAAAFAAAADwAAAAAAAAAAAAAAAAAAAkUAAAAAQAAABQAAAAUAAAAFAAAAAEAAAAAAAAAZAAAAGQAAAAAAAAAZAAAAGQAAAAVAAAAYAAAAAAAAAAAAAAADwAAACADAAAAAAAAAAAAAAEAAACgMgAAVgcAAKr4//8BAAAAf39/AAEAAABkAAAAAAAAABQAAABAHwAAAAAAACYAAAAAAAAAwOD//wAAAAAmAAAAZAAAABYAAABMAAAAAAAAAAAAAAAEAAAAAAAAAAEAAADu7OEKAAAAACgAAAAoAAAAZAAAAGQAAAAAAAAAzMzMAAAAAABQAAAAUAAAAGQAAABkAAAAAAAAABcAAAAUAAAAAAAAAAAAAAD/fwAA/38AAAAAAAAJAAAABAAAAAAAAAEeAAAAaAAAAAAAAAAAAAAAAAAAAAAAAAAAAAAAECcAABAnAAAAAAAAAAAAAAAAAAAAAAAAAAAAAAAAAAAAAAAAAAAAABQAAAAAAAAAwMD/AAAAAABkAAAAMgAAAAAAAABkAAAAAAAAAH9/fwAKAAAAIgAAABgAAAAAAAAAAAAAAAAAAAAAAAAAAAAAAAAAAAAkAAAAJAAAAAAAAAAHAAAAAAAAAAAAAAAAAAAAAAAAAAAAAAAAAAAAf39/ACUAAABYAAAAAAAAAAAAAAAAAAAAAAAAAAAAAAAAAAAAAAAAAAAAAAAAAAAAAAAAAAAAAAA/AAAAAAAAAKCGAQAAAAAAAAAAAAAAAAAMAAAAAQAAAAAAAAAAAAAAAAAAAB8AAABUAAAAT4G9Bf///wEAAAAAAAAAAAAAAAAAAAAAAAAAAAAAAAAAAAAAAAAAAAAAAAJ/f38A7uzhA8zMzADAwP8Af39/AAAAAAAAAAAAAAAAAAAAAAAAAAAAIQAAABgAAAAUAAAA0AIAALEBAABwNQAAuQgAABAAAAAmAAAACAAAAAAgAAAAAAAA"/>
               </a:ext>
             </a:extLst>
           </p:cNvSpPr>
@@ -4707,7 +4708,7 @@
             <a:picLocks noChangeAspect="1"/>
             <a:extLst>
               <a:ext uri="smNativeData">
-                <pr:smNativeData xmlns:pr="smNativeData" xmlns="smNativeData" val="SMDATA_17_iunWYhMAAAAlAAAAEQAAAC0AAAAAkAAAAEgAAACQAAAASAAAAAAAAAAAAAAAAAAAAAEAAABQAAAAAAAAAAAA4D8AAAAAAADgPwAAAAAAAOA/AAAAAAAA4D8AAAAAAADgPwAAAAAAAOA/AAAAAAAA4D8AAAAAAADgPwAAAAAAAOA/AAAAAAAA4D8CAAAAjAAAAAAAAAAAAAAAT4G9DP///wgAAAAAAAAAAAAAAAAAAAAAAAAAAAAAAAAAAAAAZAAAAAEAAABAAAAAAAAAAAAAAAAAAAAAAAAAAAAAAAAAAAAAAAAAAAAAAAAAAAAAAAAAAAAAAAAAAAAAAAAAAAAAAAAAAAAAAAAAAAAAAAAAAAAAAAAAAAAAAAAAAAAAFAAAADwAAAAAAAAAAAAAAAAAAAkUAAAAAQAAABQAAAAUAAAAFAAAAAEAAAAAAAAAZAAAAGQAAAAAAAAAZAAAAGQAAAAVAAAAYAAAAAAAAAAAAAAADwAAACADAAAAAAAAAAAAAAEAAACgMgAAVgcAAKr4//8BAAAAf39/AAEAAABkAAAAAAAAABQAAABAHwAAAAAAACYAAAAAAAAAwOD//wAAAAAmAAAAZAAAABYAAABMAAAAAAAAAAAAAAAEAAAAAAAAAAEAAADu7OEKAAAAACgAAAAoAAAAZAAAAGQAAAAAAAAAzMzMAAAAAABQAAAAUAAAAGQAAABkAAAAAAAAAAcAAAA4AAAAAAAAAAAAAAAAAAAA////AAAAAAAAAAAAAAAAAAAAAAAAAAAAAAAAAAAAAABkAAAAZAAAAAAAAAAjAAAABAAAAGQAAAAXAAAAFAAAAAAAAAAAAAAA/38AAP9/AAAAAAAACQAAAAQAAAAAAAAAHgAAAGgAAAAAAAAAAAAAAAAAAAAAAAAAAAAAABAnAAAQJwAAAAAAAAAAAAAAAAAAAAAAAAAAAAAAAAAAAAAAAAAAAAAUAAAAAAAAAMDA/wAAAAAAZAAAADIAAAAAAAAAZAAAAAAAAAB/f38ACgAAACIAAAAYAAAAAAAAAAAAAAAAAAAAAAAAAAAAAAAAAAAAJAAAACQAAAAAAAAABwAAAAAAAAAAAAAAAAAAAAAAAAAAAAAAAAAAAH9/fwAlAAAAWAAAAAAAAAAAAAAAAAAAAAAAAAAAAAAAAAAAAAAAAAAAAAAAAAAAAAAAAAAAAAAAPwAAAAAAAACghgEAAAAAAAAAAAAAAAAADAAAAAEAAAAAAAAAAAAAAAAAAAAfAAAAVAAAAE+BvQX///8BAAAAAAAAAAAAAAAAAAAAAAAAAAAAAAAAAAAAAAAAAAAAAAACf39/AO7s4QPMzMwAwMD/AH9/fwAAAAAAAAAAAAAAAAD///8AAAAAACEAAAAYAAAAFAAAAAAAAADwCgAAUTgAADAqAAAQAAAAJgAAAAgAAAD//////////w=="/>
+                <pr:smNativeData xmlns:pr="smNativeData" xmlns="smNativeData" val="SMDATA_17_0rbXYhMAAAAlAAAAEQAAAC0AAAAAkAAAAEgAAACQAAAASAAAAAAAAAAAAAAAAAAAAAEAAABQAAAAAAAAAAAA4D8AAAAAAADgPwAAAAAAAOA/AAAAAAAA4D8AAAAAAADgPwAAAAAAAOA/AAAAAAAA4D8AAAAAAADgPwAAAAAAAOA/AAAAAAAA4D8CAAAAjAAAAAAAAAAAAAAAT4G9DP///wgAAAAAAAAAAAAAAAAAAAAAAAAAAAAAAAAAAAAAZAAAAAEAAABAAAAAAAAAAAAAAAAAAAAAAAAAAAAAAAAAAAAAAAAAAAAAAAAAAAAAAAAAAAAAAAAAAAAAAAAAAAAAAAAAAAAAAAAAAAAAAAAAAAAAAAAAAAAAAAAAAAAAFAAAADwAAAAAAAAAAAAAAAAAAAkUAAAAAQAAABQAAAAUAAAAFAAAAAEAAAAAAAAAZAAAAGQAAAAAAAAAZAAAAGQAAAAVAAAAYAAAAAAAAAAAAAAADwAAACADAAAAAAAAAAAAAAEAAACgMgAAVgcAAKr4//8BAAAAf39/AAEAAABkAAAAAAAAABQAAABAHwAAAAAAACYAAAAAAAAAwOD//wAAAAAmAAAAZAAAABYAAABMAAAAAAAAAAAAAAAEAAAAAAAAAAEAAADu7OEKAAAAACgAAAAoAAAAZAAAAGQAAAAAAAAAzMzMAAAAAABQAAAAUAAAAGQAAABkAAAAAAAAAAcAAAA4AAAAAAAAAAAAAAAAAAAA////AAAAAAAAAAAAAAAAAAAAAAAAAAAAAAAAAAAAAABkAAAAZAAAAAAAAAAjAAAABAAAAGQAAAAXAAAAFAAAAAAAAAAAAAAA/38AAP9/AAAAAAAACQAAAAQAAAAAAAAAHgAAAGgAAAAAAAAAAAAAAAAAAAAAAAAAAAAAABAnAAAQJwAAAAAAAAAAAAAAAAAAAAAAAAAAAAAAAAAAAAAAAAAAAAAUAAAAAAAAAMDA/wAAAAAAZAAAADIAAAAAAAAAZAAAAAAAAAB/f38ACgAAACIAAAAYAAAAAAAAAAAAAAAAAAAAAAAAAAAAAAAAAAAAJAAAACQAAAAAAAAABwAAAAAAAAAAAAAAAAAAAAAAAAAAAAAAAAAAAH9/fwAlAAAAWAAAAAAAAAAAAAAAAAAAAAAAAAAAAAAAAAAAAAAAAAAAAAAAAAAAAAAAAAAAAAAAPwAAAAAAAACghgEAAAAAAAAAAAAAAAAADAAAAAEAAAAAAAAAAAAAAAAAAAAfAAAAVAAAAE+BvQX///8BAAAAAAAAAAAAAAAAAAAAAAAAAAAAAAAAAAAAAAAAAAAAAAACf39/AO7s4QPMzMwAwMD/AH9/fwAAAAAAAAAAAAAAAAD///8AAAAAACEAAAAYAAAAFAAAAAAAAADwCgAAUTgAADAqAAAQAAAAJgAAAAgAAAD//////////w=="/>
               </a:ext>
             </a:extLst>
           </p:cNvPicPr>
@@ -4773,7 +4774,7 @@
             <a:spLocks noGrp="1" noChangeArrowheads="1"/>
             <a:extLst>
               <a:ext uri="smNativeData">
-                <pr:smNativeData xmlns:pr="smNativeData" xmlns="smNativeData" val="SMDATA_15_iunWYhMAAAAlAAAAZAAAAA0AAAAAkAAAAEgAAACQAAAASAAAAAAAAAABAAAAAAAAAAEAAABQAAAAAAAAAAAA4D8AAAAAAADgPwAAAAAAAOA/AAAAAAAA4D8AAAAAAADgPwAAAAAAAOA/AAAAAAAA4D8AAAAAAADgPwAAAAAAAOA/AAAAAAAA4D8CAAAAjAAAAAAAAAAAAAAAT4G9DP///wgAAAAAAAAAAAAAAAAAAAAAAAAAAAAAAAAAAAAAZAAAAAEAAABAAAAAAAAAAAAAAAAAAAAAAAAAAAAAAAAAAAAAAAAAAAAAAAAAAAAAAAAAAAAAAAAAAAAAAAAAAAAAAAAAAAAAAAAAAAAAAAAAAAAAAAAAAAAAAAAAAAAAFAAAADwAAAAAAAAAAAAAAAAAAAkUAAAAAQAAABQAAAAUAAAAFAAAAAEAAAAAAAAAZAAAAGQAAAAAAAAAZAAAAGQAAAAVAAAAYAAAAAAAAAAAAAAADwAAACADAAAAAAAAAAAAAAEAAACgMgAAVgcAAKr4//8BAAAAf39/AAEAAABkAAAAAAAAABQAAABAHwAAAAAAACYAAAAAAAAAwOD//wAAAAAmAAAAZAAAABYAAABMAAAAAAAAAAAAAAAEAAAAAAAAAAEAAADu7OEKAAAAACgAAAAoAAAAZAAAAGQAAAAAAAAAzMzMAAAAAABQAAAAUAAAAGQAAABkAAAAAAAAABcAAAAUAAAAAAAAAAAAAAD/fwAA/38AAAAAAAAJAAAABAAAAAAAAAAeAAAAaAAAAAAAAAAAAAAAAAAAAAAAAAAAAAAAECcAABAnAAAAAAAAAAAAAAAAAAAAAAAAAAAAAAAAAAAAAAAAAAAAABQAAAAAAAAAwMD/AAAAAABkAAAAMgAAAAAAAABkAAAAAAAAAH9/fwAKAAAAIgAAABgAAAAAAAAAAAAAAAAAAAAAAAAAAAAAAAAAAAAkAAAAJAAAAAAAAAAHAAAAAAAAAAAAAAAAAAAAAAAAAAAAAAAAAAAAf39/ACUAAABYAAAAAAAAAAAAAAAAAAAAAAAAAAAAAAAAAAAAAAAAAAAAAAAAAAAAAAAAAAAAAAA/AAAAAAAAAKCGAQAAAAAAAAAAAAAAAAAMAAAAAQAAAAAAAAAAAAAAAAAAAB8AAABUAAAAT4G9Bf///wEAAAAAAAAAAAAAAAAAAAAAAAAAAAAAAAAAAAAAAAAAAAAAAAJ/f38A7uzhA8zMzADAwP8Af39/AAAAAAAAAAAAAAAAAAAAAAAAAAAAIQAAABgAAAAUAAAA0AIAALEBAABwNQAAuQgAABAAAAAmAAAACAAAAAAgAAAAAAAA"/>
+                <pr:smNativeData xmlns:pr="smNativeData" xmlns="smNativeData" val="SMDATA_15_0rbXYhMAAAAlAAAAZAAAAA0AAAAAkAAAAEgAAACQAAAASAAAAAAAAAABAAAAAAAAAAEAAABQAAAAAAAAAAAA4D8AAAAAAADgPwAAAAAAAOA/AAAAAAAA4D8AAAAAAADgPwAAAAAAAOA/AAAAAAAA4D8AAAAAAADgPwAAAAAAAOA/AAAAAAAA4D8CAAAAjAAAAAAAAAAAAAAAT4G9DP///wgAAAAAAAAAAAAAAAAAAAAAAAAAAAAAAAAAAAAAZAAAAAEAAABAAAAAAAAAAAAAAAAAAAAAAAAAAAAAAAAAAAAAAAAAAAAAAAAAAAAAAAAAAAAAAAAAAAAAAAAAAAAAAAAAAAAAAAAAAAAAAAAAAAAAAAAAAAAAAAAAAAAAFAAAADwAAAAAAAAAAAAAAAAAAAkUAAAAAQAAABQAAAAUAAAAFAAAAAEAAAAAAAAAZAAAAGQAAAAAAAAAZAAAAGQAAAAVAAAAYAAAAAAAAAAAAAAADwAAACADAAAAAAAAAAAAAAEAAACgMgAAVgcAAKr4//8BAAAAf39/AAEAAABkAAAAAAAAABQAAABAHwAAAAAAACYAAAAAAAAAwOD//wAAAAAmAAAAZAAAABYAAABMAAAAAAAAAAAAAAAEAAAAAAAAAAEAAADu7OEKAAAAACgAAAAoAAAAZAAAAGQAAAAAAAAAzMzMAAAAAABQAAAAUAAAAGQAAABkAAAAAAAAABcAAAAUAAAAAAAAAAAAAAD/fwAA/38AAAAAAAAJAAAABAAAAAAAAAAeAAAAaAAAAAAAAAAAAAAAAAAAAAAAAAAAAAAAECcAABAnAAAAAAAAAAAAAAAAAAAAAAAAAAAAAAAAAAAAAAAAAAAAABQAAAAAAAAAwMD/AAAAAABkAAAAMgAAAAAAAABkAAAAAAAAAH9/fwAKAAAAIgAAABgAAAAAAAAAAAAAAAAAAAAAAAAAAAAAAAAAAAAkAAAAJAAAAAAAAAAHAAAAAAAAAAAAAAAAAAAAAAAAAAAAAAAAAAAAf39/ACUAAABYAAAAAAAAAAAAAAAAAAAAAAAAAAAAAAAAAAAAAAAAAAAAAAAAAAAAAAAAAAAAAAA/AAAAAAAAAKCGAQAAAAAAAAAAAAAAAAAMAAAAAQAAAAAAAAAAAAAAAAAAAB8AAABUAAAAT4G9Bf///wEAAAAAAAAAAAAAAAAAAAAAAAAAAAAAAAAAAAAAAAAAAAAAAAJ/f38A7uzhA8zMzADAwP8Af39/AAAAAAAAAAAAAAAAAAAAAAAAAAAAIQAAABgAAAAUAAAA0AIAALEBAABwNQAAuQgAABAAAAAmAAAACAAAAAAgAAAAAAAA"/>
               </a:ext>
             </a:extLst>
           </p:cNvSpPr>
@@ -4813,7 +4814,7 @@
             <a:picLocks noChangeAspect="1"/>
             <a:extLst>
               <a:ext uri="smNativeData">
-                <pr:smNativeData xmlns:pr="smNativeData" xmlns="smNativeData" val="SMDATA_17_iunWYhMAAAAlAAAAEQAAAC0AAAAAkAAAAEgAAACQAAAASAAAAAAAAAAAAAAAAAAAAAEAAABQAAAAAAAAAAAA4D8AAAAAAADgPwAAAAAAAOA/AAAAAAAA4D8AAAAAAADgPwAAAAAAAOA/AAAAAAAA4D8AAAAAAADgPwAAAAAAAOA/AAAAAAAA4D8CAAAAjAAAAAAAAAAAAAAAT4G9DP///wgAAAAAAAAAAAAAAAAAAAAAAAAAAAAAAAAAAAAAZAAAAAEAAABAAAAAAAAAAAAAAAAAAAAAAAAAAAAAAAAAAAAAAAAAAAAAAAAAAAAAAAAAAAAAAAAAAAAAAAAAAAAAAAAAAAAAAAAAAAAAAAAAAAAAAAAAAAAAAAAAAAAAFAAAADwAAAAAAAAAAAAAAAAAAAkUAAAAAQAAABQAAAAUAAAAFAAAAAEAAAAAAAAAZAAAAGQAAAAAAAAAZAAAAGQAAAAVAAAAYAAAAAAAAAAAAAAADwAAACADAAAAAAAAAAAAAAEAAACgMgAAVgcAAKr4//8BAAAAf39/AAEAAABkAAAAAAAAABQAAABAHwAAAAAAACYAAAAAAAAAwOD//wAAAAAmAAAAZAAAABYAAABMAAAAAAAAAAAAAAAEAAAAAAAAAAEAAADu7OEKAAAAACgAAAAoAAAAZAAAAGQAAAAAAAAAzMzMAAAAAABQAAAAUAAAAGQAAABkAAAAAAAAAAcAAAA4AAAAAAAAAAAAAAAAAAAA////AAAAAAAAAAAAAAAAAAAAAAAAAAAAAAAAAAAAAABkAAAAZAAAAAAAAAAjAAAABAAAAGQAAAAXAAAAFAAAAAAAAAAAAAAA/38AAP9/AAAAAAAACQAAAAQAAAAAAAAAHgAAAGgAAAAAAAAAAAAAAAAAAAAAAAAAAAAAABAnAAAQJwAAAAAAAAAAAAAAAAAAAAAAAAAAAAAAAAAAAAAAAAAAAAAUAAAAAAAAAMDA/wAAAAAAZAAAADIAAAAAAAAAZAAAAAAAAAB/f38ACgAAACIAAAAYAAAAAAAAAAAAAAAAAAAAAAAAAAAAAAAAAAAAJAAAACQAAAAAAAAABwAAAAAAAAAAAAAAAAAAAAAAAAAAAAAAAAAAAH9/fwAlAAAAWAAAAAAAAAAAAAAAAAAAAAAAAAAAAAAAAAAAAAAAAAAAAAAAAAAAAAAAAAAAAAAAPwAAAAAAAACghgEAAAAAAAAAAAAAAAAADAAAAAEAAAAAAAAAAAAAAAAAAAAfAAAAVAAAAE+BvQX///8BAAAAAAAAAAAAAAAAAAAAAAAAAAAAAAAAAAAAAAAAAAAAAAACf39/AO7s4QPMzMwAwMD/AH9/fwAAAAAAAAAAAAAAAAD///8AAAAAACEAAAAYAAAAFAAAAPH////wCgAAQDgAADAqAAAQAAAAJgAAAAgAAAD//////////w=="/>
+                <pr:smNativeData xmlns:pr="smNativeData" xmlns="smNativeData" val="SMDATA_17_0rbXYhMAAAAlAAAAEQAAAC0AAAAAkAAAAEgAAACQAAAASAAAAAAAAAAAAAAAAAAAAAEAAABQAAAAAAAAAAAA4D8AAAAAAADgPwAAAAAAAOA/AAAAAAAA4D8AAAAAAADgPwAAAAAAAOA/AAAAAAAA4D8AAAAAAADgPwAAAAAAAOA/AAAAAAAA4D8CAAAAjAAAAAAAAAAAAAAAT4G9DP///wgAAAAAAAAAAAAAAAAAAAAAAAAAAAAAAAAAAAAAZAAAAAEAAABAAAAAAAAAAAAAAAAAAAAAAAAAAAAAAAAAAAAAAAAAAAAAAAAAAAAAAAAAAAAAAAAAAAAAAAAAAAAAAAAAAAAAAAAAAAAAAAAAAAAAAAAAAAAAAAAAAAAAFAAAADwAAAAAAAAAAAAAAAAAAAkUAAAAAQAAABQAAAAUAAAAFAAAAAEAAAAAAAAAZAAAAGQAAAAAAAAAZAAAAGQAAAAVAAAAYAAAAAAAAAAAAAAADwAAACADAAAAAAAAAAAAAAEAAACgMgAAVgcAAKr4//8BAAAAf39/AAEAAABkAAAAAAAAABQAAABAHwAAAAAAACYAAAAAAAAAwOD//wAAAAAmAAAAZAAAABYAAABMAAAAAAAAAAAAAAAEAAAAAAAAAAEAAADu7OEKAAAAACgAAAAoAAAAZAAAAGQAAAAAAAAAzMzMAAAAAABQAAAAUAAAAGQAAABkAAAAAAAAAAcAAAA4AAAAAAAAAAAAAAAAAAAA////AAAAAAAAAAAAAAAAAAAAAAAAAAAAAAAAAAAAAABkAAAAZAAAAAAAAAAjAAAABAAAAGQAAAAXAAAAFAAAAAAAAAAAAAAA/38AAP9/AAAAAAAACQAAAAQAAAAAAAAAHgAAAGgAAAAAAAAAAAAAAAAAAAAAAAAAAAAAABAnAAAQJwAAAAAAAAAAAAAAAAAAAAAAAAAAAAAAAAAAAAAAAAAAAAAUAAAAAAAAAMDA/wAAAAAAZAAAADIAAAAAAAAAZAAAAAAAAAB/f38ACgAAACIAAAAYAAAAAAAAAAAAAAAAAAAAAAAAAAAAAAAAAAAAJAAAACQAAAAAAAAABwAAAAAAAAAAAAAAAAAAAAAAAAAAAAAAAAAAAH9/fwAlAAAAWAAAAAAAAAAAAAAAAAAAAAAAAAAAAAAAAAAAAAAAAAAAAAAAAAAAAAAAAAAAAAAAPwAAAAAAAACghgEAAAAAAAAAAAAAAAAADAAAAAEAAAAAAAAAAAAAAAAAAAAfAAAAVAAAAE+BvQX///8BAAAAAAAAAAAAAAAAAAAAAAAAAAAAAAAAAAAAAAAAAAAAAAACf39/AO7s4QPMzMwAwMD/AH9/fwAAAAAAAAAAAAAAAAD///8AAAAAACEAAAAYAAAAFAAAAPH////wCgAAQDgAADAqAAAQAAAAJgAAAAgAAAD//////////w=="/>
               </a:ext>
             </a:extLst>
           </p:cNvPicPr>
@@ -4879,7 +4880,7 @@
             <a:spLocks noGrp="1" noChangeArrowheads="1"/>
             <a:extLst>
               <a:ext uri="smNativeData">
-                <pr:smNativeData xmlns:pr="smNativeData" xmlns="smNativeData" val="SMDATA_15_iunWYhMAAAAlAAAAZAAAAA0AAAAAkAAAAEgAAACQAAAASAAAAAAAAAABAAAAAAAAAAEAAABQAAAAAAAAAAAA4D8AAAAAAADgPwAAAAAAAOA/AAAAAAAA4D8AAAAAAADgPwAAAAAAAOA/AAAAAAAA4D8AAAAAAADgPwAAAAAAAOA/AAAAAAAA4D8CAAAAjAAAAAAAAAAAAAAAT4G9DP///wgAAAAAAAAAAAAAAAAAAAAAAAAAAAAAAAAAAAAAZAAAAAEAAABAAAAAAAAAAAAAAAAAAAAAAAAAAAAAAAAAAAAAAAAAAAAAAAAAAAAAAAAAAAAAAAAAAAAAAAAAAAAAAAAAAAAAAAAAAAAAAAAAAAAAAAAAAAAAAAAAAAAAFAAAADwAAAAAAAAAAAAAAAAAAAkUAAAAAQAAABQAAAAUAAAAFAAAAAEAAAAAAAAAZAAAAGQAAAAAAAAAZAAAAGQAAAAVAAAAYAAAAAAAAAAAAAAADwAAACADAAAAAAAAAAAAAAEAAACgMgAAVgcAAKr4//8BAAAAf39/AAEAAABkAAAAAAAAABQAAABAHwAAAAAAACYAAAAAAAAAwOD//wAAAAAmAAAAZAAAABYAAABMAAAAAAAAAAAAAAAEAAAAAAAAAAEAAADu7OEKAAAAACgAAAAoAAAAZAAAAGQAAAAAAAAAzMzMAAAAAABQAAAAUAAAAGQAAABkAAAAAAAAABcAAAAUAAAAAAAAAAAAAAD/fwAA/38AAAAAAAAJAAAABAAAAAAAAAAeAAAAaAAAAAAAAAAAAAAAAAAAAAAAAAAAAAAAECcAABAnAAAAAAAAAAAAAAAAAAAAAAAAAAAAAAAAAAAAAAAAAAAAABQAAAAAAAAAwMD/AAAAAABkAAAAMgAAAAAAAABkAAAAAAAAAH9/fwAKAAAAIgAAABgAAAAAAAAAAAAAAAAAAAAAAAAAAAAAAAAAAAAkAAAAJAAAAAAAAAAHAAAAAAAAAAAAAAAAAAAAAAAAAAAAAAAAAAAAf39/ACUAAABYAAAAAAAAAAAAAAAAAAAAAAAAAAAAAAAAAAAAAAAAAAAAAAAAAAAAAAAAAAAAAAA/AAAAAAAAAKCGAQAAAAAAAAAAAAAAAAAMAAAAAQAAAAAAAAAAAAAAAAAAAB8AAABUAAAAT4G9Bf///wEAAAAAAAAAAAAAAAAAAAAAAAAAAAAAAAAAAAAAAAAAAAAAAAJ/f38A7uzhA8zMzADAwP8Af39/AAAAAAAAAAAAAAAAAAAAAAAAAAAAIQAAABgAAAAUAAAA0AIAALEBAABwNQAAuQgAABAAAAAmAAAACAAAAAAgAAAAAAAA"/>
+                <pr:smNativeData xmlns:pr="smNativeData" xmlns="smNativeData" val="SMDATA_15_0rbXYhMAAAAlAAAAZAAAAA0AAAAAkAAAAEgAAACQAAAASAAAAAAAAAABAAAAAAAAAAEAAABQAAAAAAAAAAAA4D8AAAAAAADgPwAAAAAAAOA/AAAAAAAA4D8AAAAAAADgPwAAAAAAAOA/AAAAAAAA4D8AAAAAAADgPwAAAAAAAOA/AAAAAAAA4D8CAAAAjAAAAAAAAAAAAAAAT4G9DP///wgAAAAAAAAAAAAAAAAAAAAAAAAAAAAAAAAAAAAAZAAAAAEAAABAAAAAAAAAAAAAAAAAAAAAAAAAAAAAAAAAAAAAAAAAAAAAAAAAAAAAAAAAAAAAAAAAAAAAAAAAAAAAAAAAAAAAAAAAAAAAAAAAAAAAAAAAAAAAAAAAAAAAFAAAADwAAAAAAAAAAAAAAAAAAAkUAAAAAQAAABQAAAAUAAAAFAAAAAEAAAAAAAAAZAAAAGQAAAAAAAAAZAAAAGQAAAAVAAAAYAAAAAAAAAAAAAAADwAAACADAAAAAAAAAAAAAAEAAACgMgAAVgcAAKr4//8BAAAAf39/AAEAAABkAAAAAAAAABQAAABAHwAAAAAAACYAAAAAAAAAwOD//wAAAAAmAAAAZAAAABYAAABMAAAAAAAAAAAAAAAEAAAAAAAAAAEAAADu7OEKAAAAACgAAAAoAAAAZAAAAGQAAAAAAAAAzMzMAAAAAABQAAAAUAAAAGQAAABkAAAAAAAAABcAAAAUAAAAAAAAAAAAAAD/fwAA/38AAAAAAAAJAAAABAAAAAAAAAAeAAAAaAAAAAAAAAAAAAAAAAAAAAAAAAAAAAAAECcAABAnAAAAAAAAAAAAAAAAAAAAAAAAAAAAAAAAAAAAAAAAAAAAABQAAAAAAAAAwMD/AAAAAABkAAAAMgAAAAAAAABkAAAAAAAAAH9/fwAKAAAAIgAAABgAAAAAAAAAAAAAAAAAAAAAAAAAAAAAAAAAAAAkAAAAJAAAAAAAAAAHAAAAAAAAAAAAAAAAAAAAAAAAAAAAAAAAAAAAf39/ACUAAABYAAAAAAAAAAAAAAAAAAAAAAAAAAAAAAAAAAAAAAAAAAAAAAAAAAAAAAAAAAAAAAA/AAAAAAAAAKCGAQAAAAAAAAAAAAAAAAAMAAAAAQAAAAAAAAAAAAAAAAAAAB8AAABUAAAAT4G9Bf///wEAAAAAAAAAAAAAAAAAAAAAAAAAAAAAAAAAAAAAAAAAAAAAAAJ/f38A7uzhA8zMzADAwP8Af39/AAAAAAAAAAAAAAAAAAAAAAAAAAAAIQAAABgAAAAUAAAA0AIAALEBAABwNQAAuQgAABAAAAAmAAAACAAAAAAgAAAAAAAA"/>
               </a:ext>
             </a:extLst>
           </p:cNvSpPr>
@@ -4919,7 +4920,7 @@
             <a:picLocks noChangeAspect="1"/>
             <a:extLst>
               <a:ext uri="smNativeData">
-                <pr:smNativeData xmlns:pr="smNativeData" xmlns="smNativeData" val="SMDATA_17_iunWYhMAAAAlAAAAEQAAAC0AAAAAkAAAAEgAAACQAAAASAAAAAAAAAAAAAAAAAAAAAEAAABQAAAAAAAAAAAA4D8AAAAAAADgPwAAAAAAAOA/AAAAAAAA4D8AAAAAAADgPwAAAAAAAOA/AAAAAAAA4D8AAAAAAADgPwAAAAAAAOA/AAAAAAAA4D8CAAAAjAAAAAAAAAAAAAAAT4G9DP///wgAAAAAAAAAAAAAAAAAAAAAAAAAAAAAAAAAAAAAZAAAAAEAAABAAAAAAAAAAAAAAAAAAAAAAAAAAAAAAAAAAAAAAAAAAAAAAAAAAAAAAAAAAAAAAAAAAAAAAAAAAAAAAAAAAAAAAAAAAAAAAAAAAAAAAAAAAAAAAAAAAAAAFAAAADwAAAAAAAAAAAAAAAAAAAkUAAAAAQAAABQAAAAUAAAAFAAAAAEAAAAAAAAAZAAAAGQAAAAAAAAAZAAAAGQAAAAVAAAAYAAAAAAAAAAAAAAADwAAACADAAAAAAAAAAAAAAEAAACgMgAAVgcAAKr4//8BAAAAf39/AAEAAABkAAAAAAAAABQAAABAHwAAAAAAACYAAAAAAAAAwOD//wAAAAAmAAAAZAAAABYAAABMAAAAAAAAAAAAAAAEAAAAAAAAAAEAAADu7OEKAAAAACgAAAAoAAAAZAAAAGQAAAAAAAAAzMzMAAAAAABQAAAAUAAAAGQAAABkAAAAAAAAAAcAAAA4AAAAAAAAAAAAAAAAAAAA////AAAAAAAAAAAAAAAAAAAAAAAAAAAAAAAAAAAAAABkAAAAZAAAAAAAAAAjAAAABAAAAGQAAAAXAAAAFAAAAAAAAAAAAAAA/38AAP9/AAAAAAAACQAAAAQAAAAAAAAAHgAAAGgAAAAAAAAAAAAAAAAAAAAAAAAAAAAAABAnAAAQJwAAAAAAAAAAAAAAAAAAAAAAAAAAAAAAAAAAAAAAAAAAAAAUAAAAAAAAAMDA/wAAAAAAZAAAADIAAAAAAAAAZAAAAAAAAAB/f38ACgAAACIAAAAYAAAAAAAAAAAAAAAAAAAAAAAAAAAAAAAAAAAAJAAAACQAAAAAAAAABwAAAAAAAAAAAAAAAAAAAAAAAAAAAAAAAAAAAH9/fwAlAAAAWAAAAAAAAAAAAAAAAAAAAAAAAAAAAAAAAAAAAAAAAAAAAAAAAAAAAAAAAAAAAAAAPwAAAAAAAACghgEAAAAAAAAAAAAAAAAADAAAAAEAAAAAAAAAAAAAAAAAAAAfAAAAVAAAAE+BvQX///8BAAAAAAAAAAAAAAAAAAAAAAAAAAAAAAAAAAAAAAAAAAAAAAACf39/AO7s4QPMzMwAwMD/AH9/fwAAAAAAAAAAAAAAAAD///8AAAAAACEAAAAYAAAAFAAAAAAAAAD6CgAAQDgAADAqAAAQAAAAJgAAAAgAAAD//////////w=="/>
+                <pr:smNativeData xmlns:pr="smNativeData" xmlns="smNativeData" val="SMDATA_17_0rbXYhMAAAAlAAAAEQAAAC0AAAAAkAAAAEgAAACQAAAASAAAAAAAAAAAAAAAAAAAAAEAAABQAAAAAAAAAAAA4D8AAAAAAADgPwAAAAAAAOA/AAAAAAAA4D8AAAAAAADgPwAAAAAAAOA/AAAAAAAA4D8AAAAAAADgPwAAAAAAAOA/AAAAAAAA4D8CAAAAjAAAAAAAAAAAAAAAT4G9DP///wgAAAAAAAAAAAAAAAAAAAAAAAAAAAAAAAAAAAAAZAAAAAEAAABAAAAAAAAAAAAAAAAAAAAAAAAAAAAAAAAAAAAAAAAAAAAAAAAAAAAAAAAAAAAAAAAAAAAAAAAAAAAAAAAAAAAAAAAAAAAAAAAAAAAAAAAAAAAAAAAAAAAAFAAAADwAAAAAAAAAAAAAAAAAAAkUAAAAAQAAABQAAAAUAAAAFAAAAAEAAAAAAAAAZAAAAGQAAAAAAAAAZAAAAGQAAAAVAAAAYAAAAAAAAAAAAAAADwAAACADAAAAAAAAAAAAAAEAAACgMgAAVgcAAKr4//8BAAAAf39/AAEAAABkAAAAAAAAABQAAABAHwAAAAAAACYAAAAAAAAAwOD//wAAAAAmAAAAZAAAABYAAABMAAAAAAAAAAAAAAAEAAAAAAAAAAEAAADu7OEKAAAAACgAAAAoAAAAZAAAAGQAAAAAAAAAzMzMAAAAAABQAAAAUAAAAGQAAABkAAAAAAAAAAcAAAA4AAAAAAAAAAAAAAAAAAAA////AAAAAAAAAAAAAAAAAAAAAAAAAAAAAAAAAAAAAABkAAAAZAAAAAAAAAAjAAAABAAAAGQAAAAXAAAAFAAAAAAAAAAAAAAA/38AAP9/AAAAAAAACQAAAAQAAAAAAAAAHgAAAGgAAAAAAAAAAAAAAAAAAAAAAAAAAAAAABAnAAAQJwAAAAAAAAAAAAAAAAAAAAAAAAAAAAAAAAAAAAAAAAAAAAAUAAAAAAAAAMDA/wAAAAAAZAAAADIAAAAAAAAAZAAAAAAAAAB/f38ACgAAACIAAAAYAAAAAAAAAAAAAAAAAAAAAAAAAAAAAAAAAAAAJAAAACQAAAAAAAAABwAAAAAAAAAAAAAAAAAAAAAAAAAAAAAAAAAAAH9/fwAlAAAAWAAAAAAAAAAAAAAAAAAAAAAAAAAAAAAAAAAAAAAAAAAAAAAAAAAAAAAAAAAAAAAAPwAAAAAAAACghgEAAAAAAAAAAAAAAAAADAAAAAEAAAAAAAAAAAAAAAAAAAAfAAAAVAAAAE+BvQX///8BAAAAAAAAAAAAAAAAAAAAAAAAAAAAAAAAAAAAAAAAAAAAAAACf39/AO7s4QPMzMwAwMD/AH9/fwAAAAAAAAAAAAAAAAD///8AAAAAACEAAAAYAAAAFAAAAAAAAAD6CgAAQDgAADAqAAAQAAAAJgAAAAgAAAD//////////w=="/>
               </a:ext>
             </a:extLst>
           </p:cNvPicPr>
@@ -4985,7 +4986,7 @@
             <a:spLocks noGrp="1" noChangeArrowheads="1"/>
             <a:extLst>
               <a:ext uri="smNativeData">
-                <pr:smNativeData xmlns:pr="smNativeData" xmlns="smNativeData" val="SMDATA_15_iunWYhMAAAAlAAAAZAAAAA0AAAAAkAAAAEgAAACQAAAASAAAAAAAAAABAAAAAAAAAAEAAABQAAAAAAAAAAAA4D8AAAAAAADgPwAAAAAAAOA/AAAAAAAA4D8AAAAAAADgPwAAAAAAAOA/AAAAAAAA4D8AAAAAAADgPwAAAAAAAOA/AAAAAAAA4D8CAAAAjAAAAAAAAAAAAAAAT4G9DP///wgAAAAAAAAAAAAAAAAAAAAAAAAAAAAAAAAAAAAAZAAAAAEAAABAAAAAAAAAAAAAAAAAAAAAAAAAAAAAAAAAAAAAAAAAAAAAAAAAAAAAAAAAAAAAAAAAAAAAAAAAAAAAAAAAAAAAAAAAAAAAAAAAAAAAAAAAAAAAAAAAAAAAFAAAADwAAAAAAAAAAAAAAAAAAAkUAAAAAQAAABQAAAAUAAAAFAAAAAEAAAAAAAAAZAAAAGQAAAAAAAAAZAAAAGQAAAAVAAAAYAAAAAAAAAAAAAAADwAAACADAAAAAAAAAAAAAAEAAACgMgAAVgcAAKr4//8BAAAAf39/AAEAAABkAAAAAAAAABQAAABAHwAAAAAAACYAAAAAAAAAwOD//wAAAAAmAAAAZAAAABYAAABMAAAAAAAAAAAAAAAEAAAAAAAAAAEAAADu7OEKAAAAACgAAAAoAAAAZAAAAGQAAAAAAAAAzMzMAAAAAABQAAAAUAAAAGQAAABkAAAAAAAAABcAAAAUAAAAAAAAAAAAAAD/fwAA/38AAAAAAAAJAAAABAAAANBO/zYeAAAAaAAAAAAAAAAAAAAAAAAAAAAAAAAAAAAAECcAABAnAAAAAAAAAAAAAAAAAAAAAAAAAAAAAAAAAAAAAAAAAAAAABQAAAAAAAAAwMD/AAAAAABkAAAAMgAAAAAAAABkAAAAAAAAAH9/fwAKAAAAIgAAABgAAAAAAAAAAAAAAAAAAAAAAAAAAAAAAAAAAAAkAAAAJAAAAAAAAAAHAAAAAAAAAAAAAAAAAAAAAAAAAAAAAAAAAAAAf39/ACUAAABYAAAAAAAAAAAAAAAAAAAAAAAAAAAAAAAAAAAAAAAAAAAAAAAAAAAAAAAAAAAAAAA/AAAAAAAAAKCGAQAAAAAAAAAAAAAAAAAMAAAAAQAAAAAAAAAAAAAAAAAAAB8AAABUAAAAT4G9Bf///wEAAAAAAAAAAAAAAAAAAAAAAAAAAAAAAAAAAAAAAAAAAAAAAAJ/f38A7uzhA8zMzADAwP8Af39/AAAAAAAAAAAAAAAAAAAAAAAAAAAAIQAAABgAAAAUAAAA0AIAALEBAABwNQAAuQgAABAAAAAmAAAACAAAAAAgAAAAAAAA"/>
+                <pr:smNativeData xmlns:pr="smNativeData" xmlns="smNativeData" val="SMDATA_15_0rbXYhMAAAAlAAAAZAAAAA0AAAAAkAAAAEgAAACQAAAASAAAAAAAAAABAAAAAAAAAAEAAABQAAAAAAAAAAAA4D8AAAAAAADgPwAAAAAAAOA/AAAAAAAA4D8AAAAAAADgPwAAAAAAAOA/AAAAAAAA4D8AAAAAAADgPwAAAAAAAOA/AAAAAAAA4D8CAAAAjAAAAAAAAAAAAAAAT4G9DP///wgAAAAAAAAAAAAAAAAAAAAAAAAAAAAAAAAAAAAAZAAAAAEAAABAAAAAAAAAAAAAAAAAAAAAAAAAAAAAAAAAAAAAAAAAAAAAAAAAAAAAAAAAAAAAAAAAAAAAAAAAAAAAAAAAAAAAAAAAAAAAAAAAAAAAAAAAAAAAAAAAAAAAFAAAADwAAAAAAAAAAAAAAAAAAAkUAAAAAQAAABQAAAAUAAAAFAAAAAEAAAAAAAAAZAAAAGQAAAAAAAAAZAAAAGQAAAAVAAAAYAAAAAAAAAAAAAAADwAAACADAAAAAAAAAAAAAAEAAACgMgAAVgcAAKr4//8BAAAAf39/AAEAAABkAAAAAAAAABQAAABAHwAAAAAAACYAAAAAAAAAwOD//wAAAAAmAAAAZAAAABYAAABMAAAAAAAAAAAAAAAEAAAAAAAAAAEAAADu7OEKAAAAACgAAAAoAAAAZAAAAGQAAAAAAAAAzMzMAAAAAABQAAAAUAAAAGQAAABkAAAAAAAAABcAAAAUAAAAAAAAAAAAAAD/fwAA/38AAAAAAAAJAAAABAAAANBO/zYeAAAAaAAAAAAAAAAAAAAAAAAAAAAAAAAAAAAAECcAABAnAAAAAAAAAAAAAAAAAAAAAAAAAAAAAAAAAAAAAAAAAAAAABQAAAAAAAAAwMD/AAAAAABkAAAAMgAAAAAAAABkAAAAAAAAAH9/fwAKAAAAIgAAABgAAAAAAAAAAAAAAAAAAAAAAAAAAAAAAAAAAAAkAAAAJAAAAAAAAAAHAAAAAAAAAAAAAAAAAAAAAAAAAAAAAAAAAAAAf39/ACUAAABYAAAAAAAAAAAAAAAAAAAAAAAAAAAAAAAAAAAAAAAAAAAAAAAAAAAAAAAAAAAAAAA/AAAAAAAAAKCGAQAAAAAAAAAAAAAAAAAMAAAAAQAAAAAAAAAAAAAAAAAAAB8AAABUAAAAT4G9Bf///wEAAAAAAAAAAAAAAAAAAAAAAAAAAAAAAAAAAAAAAAAAAAAAAAJ/f38A7uzhA8zMzADAwP8Af39/AAAAAAAAAAAAAAAAAAAAAAAAAAAAIQAAABgAAAAUAAAA0AIAALEBAABwNQAAuQgAABAAAAAmAAAACAAAAAAgAAAAAAAA"/>
               </a:ext>
             </a:extLst>
           </p:cNvSpPr>
@@ -5025,7 +5026,7 @@
             <a:picLocks noChangeAspect="1"/>
             <a:extLst>
               <a:ext uri="smNativeData">
-                <pr:smNativeData xmlns:pr="smNativeData" xmlns="smNativeData" val="SMDATA_17_iunWYhMAAAAlAAAAEQAAAC0AAAAAkAAAAEgAAACQAAAASAAAAAAAAAAAAAAAAAAAAAEAAABQAAAAAAAAAAAA4D8AAAAAAADgPwAAAAAAAOA/AAAAAAAA4D8AAAAAAADgPwAAAAAAAOA/AAAAAAAA4D8AAAAAAADgPwAAAAAAAOA/AAAAAAAA4D8CAAAAjAAAAAAAAAAAAAAAT4G9DP///wgAAAAAAAAAAAAAAAAAAAAAAAAAAAAAAAAAAAAAZAAAAAEAAABAAAAAAAAAAAAAAAAAAAAAAAAAAAAAAAAAAAAAAAAAAAAAAAAAAAAAAAAAAAAAAAAAAAAAAAAAAAAAAAAAAAAAAAAAAAAAAAAAAAAAAAAAAAAAAAAAAAAAFAAAADwAAAAAAAAAAAAAAAAAAAkUAAAAAQAAABQAAAAUAAAAFAAAAAEAAAAAAAAAZAAAAGQAAAAAAAAAZAAAAGQAAAAVAAAAYAAAAAAAAAAAAAAADwAAACADAAAAAAAAAAAAAAEAAACgMgAAVgcAAKr4//8BAAAAf39/AAEAAABkAAAAAAAAABQAAABAHwAAAAAAACYAAAAAAAAAwOD//wAAAAAmAAAAZAAAABYAAABMAAAAAAAAAAAAAAAEAAAAAAAAAAEAAADu7OEKAAAAACgAAAAoAAAAZAAAAGQAAAAAAAAAzMzMAAAAAABQAAAAUAAAAGQAAABkAAAAAAAAAAcAAAA4AAAAAAAAAAAAAAAAAAAA////AAAAAAAAAAAAAAAAAAAAAAAAAAAAAAAAAAAAAABkAAAAZAAAAAAAAAAjAAAABAAAAGQAAAAXAAAAFAAAAAAAAAAAAAAA/38AAP9/AAAAAAAACQAAAAQAAAAAAAAAHgAAAGgAAAAAAAAAAAAAAAAAAAAAAAAAAAAAABAnAAAQJwAAAAAAAAAAAAAAAAAAAAAAAAAAAAAAAAAAAAAAAAAAAAAUAAAAAAAAAMDA/wAAAAAAZAAAADIAAAAAAAAAZAAAAAAAAAB/f38ACgAAACIAAAAYAAAAAAAAAAAAAAAAAAAAAAAAAAAAAAAAAAAAJAAAACQAAAAAAAAABwAAAAAAAAAAAAAAAAAAAAAAAAAAAAAAAAAAAH9/fwAlAAAAWAAAAAAAAAAAAAAAAAAAAAAAAAAAAAAAAAAAAAAAAAAAAAAAAAAAAAAAAAAAAAAAPwAAAAAAAACghgEAAAAAAAAAAAAAAAAADAAAAAEAAAAAAAAAAAAAAAAAAAAfAAAAVAAAAE+BvQX///8BAAAAAAAAAAAAAAAAAAAAAAAAAAAAAAAAAAAAAAAAAAAAAAACf39/AO7s4QPMzMwAwMD/AH9/fwAAAAAAAAAAAAAAAAD///8AAAAAACEAAAAYAAAAFAAAAAAAAAACCwAAQDgAADAqAAAQAAAAJgAAAAgAAAD//////////w=="/>
+                <pr:smNativeData xmlns:pr="smNativeData" xmlns="smNativeData" val="SMDATA_17_0rbXYhMAAAAlAAAAEQAAAC0AAAAAkAAAAEgAAACQAAAASAAAAAAAAAAAAAAAAAAAAAEAAABQAAAAAAAAAAAA4D8AAAAAAADgPwAAAAAAAOA/AAAAAAAA4D8AAAAAAADgPwAAAAAAAOA/AAAAAAAA4D8AAAAAAADgPwAAAAAAAOA/AAAAAAAA4D8CAAAAjAAAAAAAAAAAAAAAT4G9DP///wgAAAAAAAAAAAAAAAAAAAAAAAAAAAAAAAAAAAAAZAAAAAEAAABAAAAAAAAAAAAAAAAAAAAAAAAAAAAAAAAAAAAAAAAAAAAAAAAAAAAAAAAAAAAAAAAAAAAAAAAAAAAAAAAAAAAAAAAAAAAAAAAAAAAAAAAAAAAAAAAAAAAAFAAAADwAAAAAAAAAAAAAAAAAAAkUAAAAAQAAABQAAAAUAAAAFAAAAAEAAAAAAAAAZAAAAGQAAAAAAAAAZAAAAGQAAAAVAAAAYAAAAAAAAAAAAAAADwAAACADAAAAAAAAAAAAAAEAAACgMgAAVgcAAKr4//8BAAAAf39/AAEAAABkAAAAAAAAABQAAABAHwAAAAAAACYAAAAAAAAAwOD//wAAAAAmAAAAZAAAABYAAABMAAAAAAAAAAAAAAAEAAAAAAAAAAEAAADu7OEKAAAAACgAAAAoAAAAZAAAAGQAAAAAAAAAzMzMAAAAAABQAAAAUAAAAGQAAABkAAAAAAAAAAcAAAA4AAAAAAAAAAAAAAAAAAAA////AAAAAAAAAAAAAAAAAAAAAAAAAAAAAAAAAAAAAABkAAAAZAAAAAAAAAAjAAAABAAAAGQAAAAXAAAAFAAAAAAAAAAAAAAA/38AAP9/AAAAAAAACQAAAAQAAAAAAAAAHgAAAGgAAAAAAAAAAAAAAAAAAAAAAAAAAAAAABAnAAAQJwAAAAAAAAAAAAAAAAAAAAAAAAAAAAAAAAAAAAAAAAAAAAAUAAAAAAAAAMDA/wAAAAAAZAAAADIAAAAAAAAAZAAAAAAAAAB/f38ACgAAACIAAAAYAAAAAAAAAAAAAAAAAAAAAAAAAAAAAAAAAAAAJAAAACQAAAAAAAAABwAAAAAAAAAAAAAAAAAAAAAAAAAAAAAAAAAAAH9/fwAlAAAAWAAAAAAAAAAAAAAAAAAAAAAAAAAAAAAAAAAAAAAAAAAAAAAAAAAAAAAAAAAAAAAAPwAAAAAAAACghgEAAAAAAAAAAAAAAAAADAAAAAEAAAAAAAAAAAAAAAAAAAAfAAAAVAAAAE+BvQX///8BAAAAAAAAAAAAAAAAAAAAAAAAAAAAAAAAAAAAAAAAAAAAAAACf39/AO7s4QPMzMwAwMD/AH9/fwAAAAAAAAAAAAAAAAD///8AAAAAACEAAAAYAAAAFAAAAAAAAAACCwAAQDgAADAqAAAQAAAAJgAAAAgAAAD//////////w=="/>
               </a:ext>
             </a:extLst>
           </p:cNvPicPr>
@@ -5091,7 +5092,7 @@
             <a:spLocks noGrp="1" noChangeArrowheads="1"/>
             <a:extLst>
               <a:ext uri="smNativeData">
-                <pr:smNativeData xmlns:pr="smNativeData" xmlns="smNativeData" val="SMDATA_15_iunWYhMAAAAlAAAAZAAAAA0AAAAAkAAAAEgAAACQAAAASAAAAAAAAAABAAAAAAAAAAEAAABQAAAAAAAAAAAA4D8AAAAAAADgPwAAAAAAAOA/AAAAAAAA4D8AAAAAAADgPwAAAAAAAOA/AAAAAAAA4D8AAAAAAADgPwAAAAAAAOA/AAAAAAAA4D8CAAAAjAAAAAAAAAAAAAAAT4G9DP///wgAAAAAAAAAAAAAAAAAAAAAAAAAAAAAAAAAAAAAZAAAAAEAAABAAAAAAAAAAAAAAAAAAAAAAAAAAAAAAAAAAAAAAAAAAAAAAAAAAAAAAAAAAAAAAAAAAAAAAAAAAAAAAAAAAAAAAAAAAAAAAAAAAAAAAAAAAAAAAAAAAAAAFAAAADwAAAAAAAAAAAAAAAAAAAkUAAAAAQAAABQAAAAUAAAAFAAAAAEAAAAAAAAAZAAAAGQAAAAAAAAAZAAAAGQAAAAVAAAAYAAAAAAAAAAAAAAADwAAACADAAAAAAAAAAAAAAEAAACgMgAAVgcAAKr4//8BAAAAf39/AAEAAABkAAAAAAAAABQAAABAHwAAAAAAACYAAAAAAAAAwOD//wAAAAAmAAAAZAAAABYAAABMAAAAAAAAAAAAAAAEAAAAAAAAAAEAAADu7OEKAAAAACgAAAAoAAAAZAAAAGQAAAAAAAAAzMzMAAAAAABQAAAAUAAAAGQAAABkAAAAAAAAABcAAAAUAAAAAAAAAAAAAAD/fwAA/38AAAAAAAAJAAAABAAAAACAAIAeAAAAaAAAAAAAAAAAAAAAAAAAAAAAAAAAAAAAECcAABAnAAAAAAAAAAAAAAAAAAAAAAAAAAAAAAAAAAAAAAAAAAAAABQAAAAAAAAAwMD/AAAAAABkAAAAMgAAAAAAAABkAAAAAAAAAH9/fwAKAAAAIgAAABgAAAAAAAAAAAAAAAAAAAAAAAAAAAAAAAAAAAAkAAAAJAAAAAAAAAAHAAAAAAAAAAAAAAAAAAAAAAAAAAAAAAAAAAAAf39/ACUAAABYAAAAAAAAAAAAAAAAAAAAAAAAAAAAAAAAAAAAAAAAAAAAAAAAAAAAAAAAAAAAAAA/AAAAAAAAAKCGAQAAAAAAAAAAAAAAAAAMAAAAAQAAAAAAAAAAAAAAAAAAAB8AAABUAAAAT4G9Bf///wEAAAAAAAAAAAAAAAAAAAAAAAAAAAAAAAAAAAAAAAAAAAAAAAJ/f38A7uzhA8zMzADAwP8Af39/AAAAAAAAAAAAAAAAAAAAAAAAAAAAIQAAABgAAAAUAAAA0AIAAMEAAABwNQAAyQcAABAAAAAmAAAACAAAAAEAAAAAAAAA"/>
+                <pr:smNativeData xmlns:pr="smNativeData" xmlns="smNativeData" val="SMDATA_15_0rbXYhMAAAAlAAAAZAAAAA0AAAAAkAAAAEgAAACQAAAASAAAAAAAAAABAAAAAAAAAAEAAABQAAAAAAAAAAAA4D8AAAAAAADgPwAAAAAAAOA/AAAAAAAA4D8AAAAAAADgPwAAAAAAAOA/AAAAAAAA4D8AAAAAAADgPwAAAAAAAOA/AAAAAAAA4D8CAAAAjAAAAAAAAAAAAAAAT4G9DP///wgAAAAAAAAAAAAAAAAAAAAAAAAAAAAAAAAAAAAAZAAAAAEAAABAAAAAAAAAAAAAAAAAAAAAAAAAAAAAAAAAAAAAAAAAAAAAAAAAAAAAAAAAAAAAAAAAAAAAAAAAAAAAAAAAAAAAAAAAAAAAAAAAAAAAAAAAAAAAAAAAAAAAFAAAADwAAAAAAAAAAAAAAAAAAAkUAAAAAQAAABQAAAAUAAAAFAAAAAEAAAAAAAAAZAAAAGQAAAAAAAAAZAAAAGQAAAAVAAAAYAAAAAAAAAAAAAAADwAAACADAAAAAAAAAAAAAAEAAACgMgAAVgcAAKr4//8BAAAAf39/AAEAAABkAAAAAAAAABQAAABAHwAAAAAAACYAAAAAAAAAwOD//wAAAAAmAAAAZAAAABYAAABMAAAAAAAAAAAAAAAEAAAAAAAAAAEAAADu7OEKAAAAACgAAAAoAAAAZAAAAGQAAAAAAAAAzMzMAAAAAABQAAAAUAAAAGQAAABkAAAAAAAAABcAAAAUAAAAAAAAAAAAAAD/fwAA/38AAAAAAAAJAAAABAAAAACAAIAeAAAAaAAAAAAAAAAAAAAAAAAAAAAAAAAAAAAAECcAABAnAAAAAAAAAAAAAAAAAAAAAAAAAAAAAAAAAAAAAAAAAAAAABQAAAAAAAAAwMD/AAAAAABkAAAAMgAAAAAAAABkAAAAAAAAAH9/fwAKAAAAIgAAABgAAAAAAAAAAAAAAAAAAAAAAAAAAAAAAAAAAAAkAAAAJAAAAAAAAAAHAAAAAAAAAAAAAAAAAAAAAAAAAAAAAAAAAAAAf39/ACUAAABYAAAAAAAAAAAAAAAAAAAAAAAAAAAAAAAAAAAAAAAAAAAAAAAAAAAAAAAAAAAAAAA/AAAAAAAAAKCGAQAAAAAAAAAAAAAAAAAMAAAAAQAAAAAAAAAAAAAAAAAAAB8AAABUAAAAT4G9Bf///wEAAAAAAAAAAAAAAAAAAAAAAAAAAAAAAAAAAAAAAAAAAAAAAAJ/f38A7uzhA8zMzADAwP8Af39/AAAAAAAAAAAAAAAAAAAAAAAAAAAAIQAAABgAAAAUAAAA0AIAAMEAAABwNQAAyQcAABAAAAAmAAAACAAAAAEAAAAAAAAA"/>
               </a:ext>
             </a:extLst>
           </p:cNvSpPr>
@@ -5125,7 +5126,7 @@
             <a:spLocks noGrp="1" noChangeArrowheads="1"/>
             <a:extLst>
               <a:ext uri="smNativeData">
-                <pr:smNativeData xmlns:pr="smNativeData" xmlns="smNativeData" val="SMDATA_15_iunWYhMAAAAlAAAAZAAAAA0AAAAAkAAAAEgAAACQAAAASAAAAAAAAAAAAAAAAAAAAAEAAABQAAAAAAAAAAAA4D8AAAAAAADgPwAAAAAAAOA/AAAAAAAA4D8AAAAAAADgPwAAAAAAAOA/AAAAAAAA4D8AAAAAAADgPwAAAAAAAOA/AAAAAAAA4D8CAAAAjAAAAAAAAAAAAAAAT4G9DP///wgAAAAAAAAAAAAAAAAAAAAAAAAAAAAAAAAAAAAAZAAAAAEAAABAAAAAAAAAAAAAAAAAAAAAAAAAAAAAAAAAAAAAAAAAAAAAAAAAAAAAAAAAAAAAAAAAAAAAAAAAAAAAAAAAAAAAAAAAAAAAAAAAAAAAAAAAAAAAAAAAAAAAFAAAADwAAAAAAAAAAAAAAAAAAAkUAAAAAQAAABQAAAAUAAAAFAAAAAEAAAAAAAAAZAAAAGQAAAAAAAAAZAAAAGQAAAAVAAAAYAAAAAAAAAAAAAAADwAAACADAAAAAAAAAAAAAAEAAACgMgAAVgcAAKr4//8BAAAAf39/AAEAAABkAAAAAAAAABQAAABAHwAAAAAAACYAAAAAAAAAwOD//wAAAAAmAAAAZAAAABYAAABMAAAAAAAAAAAAAAAEAAAAAAAAAAEAAADu7OEKAAAAACgAAAAoAAAAZAAAAGQAAAAAAAAAzMzMAAAAAABQAAAAUAAAAGQAAABkAAAAAAAAABcAAAAUAAAAAAAAAAAAAAD/fwAA/38AAAAAAAAJAAAABAAAAGB9rkUeAAAAaAAAAAAAAAAAAAAAAAAAAAAAAAAAAAAAECcAABAnAAAAAAAAAAAAAAAAAAAAAAAAAAAAAAAAAAAAAAAAAAAAABQAAAAAAAAAwMD/AAAAAABkAAAAMgAAAAAAAABkAAAAAAAAAH9/fwAKAAAAIgAAABgAAAAAAAAAAAAAAAAAAAAAAAAAAAAAAAAAAAAkAAAAJAAAAAAAAAAHAAAAAAAAAAAAAAAAAAAAAAAAAAAAAAAAAAAAf39/ACUAAABYAAAAAAAAAAAAAAAAAAAAAAAAAAAAAAAAAAAAAAAAAAAAAAAAAAAAAAAAAAAAAAA/AAAAAAAAAKCGAQAAAAAAAAAAAAAAAAAMAAAAAQAAAAAAAAAAAAAAAAAAAB8AAABUAAAAT4G9Bf///wEAAAAAAAAAAAAAAAAAAAAAAAAAAAAAAAAAAAAAAAAAAAAAAAJ/f38A7uzhA8zMzADAwP8Af39/AAAAAAAAAAAAAAAAAAAAAAAAAAAAIQAAABgAAAAUAAAA0AIAALgGAABwNQAAcCQAABAAAAAmAAAACAAAAAEgAAAAAAAA"/>
+                <pr:smNativeData xmlns:pr="smNativeData" xmlns="smNativeData" val="SMDATA_15_0rbXYhMAAAAlAAAAZAAAAA0AAAAAkAAAAEgAAACQAAAASAAAAAAAAAAAAAAAAAAAAAEAAABQAAAAAAAAAAAA4D8AAAAAAADgPwAAAAAAAOA/AAAAAAAA4D8AAAAAAADgPwAAAAAAAOA/AAAAAAAA4D8AAAAAAADgPwAAAAAAAOA/AAAAAAAA4D8CAAAAjAAAAAAAAAAAAAAAT4G9DP///wgAAAAAAAAAAAAAAAAAAAAAAAAAAAAAAAAAAAAAZAAAAAEAAABAAAAAAAAAAAAAAAAAAAAAAAAAAAAAAAAAAAAAAAAAAAAAAAAAAAAAAAAAAAAAAAAAAAAAAAAAAAAAAAAAAAAAAAAAAAAAAAAAAAAAAAAAAAAAAAAAAAAAFAAAADwAAAAAAAAAAAAAAAAAAAkUAAAAAQAAABQAAAAUAAAAFAAAAAEAAAAAAAAAZAAAAGQAAAAAAAAAZAAAAGQAAAAVAAAAYAAAAAAAAAAAAAAADwAAACADAAAAAAAAAAAAAAEAAACgMgAAVgcAAKr4//8BAAAAf39/AAEAAABkAAAAAAAAABQAAABAHwAAAAAAACYAAAAAAAAAwOD//wAAAAAmAAAAZAAAABYAAABMAAAAAAAAAAAAAAAEAAAAAAAAAAEAAADu7OEKAAAAACgAAAAoAAAAZAAAAGQAAAAAAAAAzMzMAAAAAABQAAAAUAAAAGQAAABkAAAAAAAAABcAAAAUAAAAAAAAAAAAAAD/fwAA/38AAAAAAAAJAAAABAAAAGB9rkUeAAAAaAAAAAAAAAAAAAAAAAAAAAAAAAAAAAAAECcAABAnAAAAAAAAAAAAAAAAAAAAAAAAAAAAAAAAAAAAAAAAAAAAABQAAAAAAAAAwMD/AAAAAABkAAAAMgAAAAAAAABkAAAAAAAAAH9/fwAKAAAAIgAAABgAAAAAAAAAAAAAAAAAAAAAAAAAAAAAAAAAAAAkAAAAJAAAAAAAAAAHAAAAAAAAAAAAAAAAAAAAAAAAAAAAAAAAAAAAf39/ACUAAABYAAAAAAAAAAAAAAAAAAAAAAAAAAAAAAAAAAAAAAAAAAAAAAAAAAAAAAAAAAAAAAA/AAAAAAAAAKCGAQAAAAAAAAAAAAAAAAAMAAAAAQAAAAAAAAAAAAAAAAAAAB8AAABUAAAAT4G9Bf///wEAAAAAAAAAAAAAAAAAAAAAAAAAAAAAAAAAAAAAAAAAAAAAAAJ/f38A7uzhA8zMzADAwP8Af39/AAAAAAAAAAAAAAAAAAAAAAAAAAAAIQAAABgAAAAUAAAA0AIAALgGAABwNQAAcCQAABAAAAAmAAAACAAAAAEgAAAAAAAA"/>
               </a:ext>
             </a:extLst>
           </p:cNvSpPr>
@@ -5289,7 +5290,7 @@
             <a:picLocks noChangeAspect="1"/>
             <a:extLst>
               <a:ext uri="smNativeData">
-                <pr:smNativeData xmlns:pr="smNativeData" xmlns="smNativeData" val="SMDATA_17_iunWYhMAAAAlAAAAEQAAAC0AAAAAkAAAAEgAAACQAAAASAAAAAAAAAAAAAAAAAAAAAEAAABQAAAAAAAAAAAA4D8AAAAAAADgPwAAAAAAAOA/AAAAAAAA4D8AAAAAAADgPwAAAAAAAOA/AAAAAAAA4D8AAAAAAADgPwAAAAAAAOA/AAAAAAAA4D8CAAAAjAAAAAAAAAAAAAAAT4G9DP///wgAAAAAAAAAAAAAAAAAAAAAAAAAAAAAAAAAAAAAZAAAAAEAAABAAAAAAAAAAAAAAAAAAAAAAAAAAAAAAAAAAAAAAAAAAAAAAAAAAAAAAAAAAAAAAAAAAAAAAAAAAAAAAAAAAAAAAAAAAAAAAAAAAAAAAAAAAAAAAAAAAAAAFAAAADwAAAAAAAAAAAAAAAAAAAkUAAAAAQAAABQAAAAUAAAAFAAAAAEAAAAAAAAAZAAAAGQAAAAAAAAAZAAAAGQAAAAVAAAAYAAAAAAAAAAAAAAADwAAACADAAAAAAAAAAAAAAEAAACgMgAAVgcAAKr4//8BAAAAf39/AAEAAABkAAAAAAAAABQAAABAHwAAAAAAACYAAAAAAAAAwOD//wAAAAAmAAAAZAAAABYAAABMAAAAAAAAAAAAAAAEAAAAAAAAAAEAAADu7OEKAAAAACgAAAAoAAAAZAAAAGQAAAAAAAAAzMzMAAAAAABQAAAAUAAAAGQAAABkAAAAAAAAAAcAAAA4AAAAAAAAAAAAAAAAAAAA////AAAAAAAAAAAAAAAAAAAAAAAAAAAAAAAAAAAAAABkAAAAZAAAAAAAAAAjAAAABAAAAGQAAAAXAAAAFAAAAAAAAAAAAAAA/38AAP9/AAAAAAAACQAAAAQAAAAAAAAAHgAAAGgAAAAAAAAAAAAAAAAAAAAAAAAAAAAAABAnAAAQJwAAAAAAAAAAAAAAAAAAAAAAAAAAAAAAAAAAAAAAAAAAAAAUAAAAAAAAAMDA/wAAAAAAZAAAADIAAAAAAAAAZAAAAAAAAAB/f38ACgAAACIAAAAYAAAAAAAAAAAAAAAAAAAAAAAAAAAAAAAAAAAAJAAAACQAAAAAAAAABwAAAAAAAAAAAAAAAAAAAAAAAAAAAAAAAAAAAH9/fwAlAAAAWAAAAAAAAAAAAAAAAAAAAAAAAAAAAAAAAAAAAAAAAAAAAAAAAAAAAAAAAAAAAAAAPwAAAAAAAACghgEAAAAAAAAAAAAAAAAADAAAAAEAAAAAAAAAAAAAAAAAAAAfAAAAVAAAAE+BvQX///8BAAAAAAAAAAAAAAAAAAAAAAAAAAAAAAAAAAAAAAAAAAAAAAACf39/AO7s4QPMzMwAwMD/AH9/fwAAAAAAAAAAAAAAAAD///8AAAAAACEAAAAYAAAAFAAAAMYWAADIFAAAeiEAAFAeAAAQAAAAJgAAAAgAAAD//////////w=="/>
+                <pr:smNativeData xmlns:pr="smNativeData" xmlns="smNativeData" val="SMDATA_17_0rbXYhMAAAAlAAAAEQAAAC0AAAAAkAAAAEgAAACQAAAASAAAAAAAAAAAAAAAAAAAAAEAAABQAAAAAAAAAAAA4D8AAAAAAADgPwAAAAAAAOA/AAAAAAAA4D8AAAAAAADgPwAAAAAAAOA/AAAAAAAA4D8AAAAAAADgPwAAAAAAAOA/AAAAAAAA4D8CAAAAjAAAAAAAAAAAAAAAT4G9DP///wgAAAAAAAAAAAAAAAAAAAAAAAAAAAAAAAAAAAAAZAAAAAEAAABAAAAAAAAAAAAAAAAAAAAAAAAAAAAAAAAAAAAAAAAAAAAAAAAAAAAAAAAAAAAAAAAAAAAAAAAAAAAAAAAAAAAAAAAAAAAAAAAAAAAAAAAAAAAAAAAAAAAAFAAAADwAAAAAAAAAAAAAAAAAAAkUAAAAAQAAABQAAAAUAAAAFAAAAAEAAAAAAAAAZAAAAGQAAAAAAAAAZAAAAGQAAAAVAAAAYAAAAAAAAAAAAAAADwAAACADAAAAAAAAAAAAAAEAAACgMgAAVgcAAKr4//8BAAAAf39/AAEAAABkAAAAAAAAABQAAABAHwAAAAAAACYAAAAAAAAAwOD//wAAAAAmAAAAZAAAABYAAABMAAAAAAAAAAAAAAAEAAAAAAAAAAEAAADu7OEKAAAAACgAAAAoAAAAZAAAAGQAAAAAAAAAzMzMAAAAAABQAAAAUAAAAGQAAABkAAAAAAAAAAcAAAA4AAAAAAAAAAAAAAAAAAAA////AAAAAAAAAAAAAAAAAAAAAAAAAAAAAAAAAAAAAABkAAAAZAAAAAAAAAAjAAAABAAAAGQAAAAXAAAAFAAAAAAAAAAAAAAA/38AAP9/AAAAAAAACQAAAAQAAAAAAAAAHgAAAGgAAAAAAAAAAAAAAAAAAAAAAAAAAAAAABAnAAAQJwAAAAAAAAAAAAAAAAAAAAAAAAAAAAAAAAAAAAAAAAAAAAAUAAAAAAAAAMDA/wAAAAAAZAAAADIAAAAAAAAAZAAAAAAAAAB/f38ACgAAACIAAAAYAAAAAAAAAAAAAAAAAAAAAAAAAAAAAAAAAAAAJAAAACQAAAAAAAAABwAAAAAAAAAAAAAAAAAAAAAAAAAAAAAAAAAAAH9/fwAlAAAAWAAAAAAAAAAAAAAAAAAAAAAAAAAAAAAAAAAAAAAAAAAAAAAAAAAAAAAAAAAAAAAAPwAAAAAAAACghgEAAAAAAAAAAAAAAAAADAAAAAEAAAAAAAAAAAAAAAAAAAAfAAAAVAAAAE+BvQX///8BAAAAAAAAAAAAAAAAAAAAAAAAAAAAAAAAAAAAAAAAAAAAAAACf39/AO7s4QPMzMwAwMD/AH9/fwAAAAAAAAAAAAAAAAD///8AAAAAACEAAAAYAAAAFAAAAMYWAADIFAAAeiEAAFAeAAAQAAAAJgAAAAgAAAD//////////w=="/>
               </a:ext>
             </a:extLst>
           </p:cNvPicPr>
@@ -5323,7 +5324,7 @@
             <a:picLocks noChangeAspect="1"/>
             <a:extLst>
               <a:ext uri="smNativeData">
-                <pr:smNativeData xmlns:pr="smNativeData" xmlns="smNativeData" val="SMDATA_17_iunWYhMAAAAlAAAAEQAAAC0AAAAAkAAAAEgAAACQAAAASAAAAAAAAAAAAAAAAAAAAAEAAABQAAAAAAAAAAAA4D8AAAAAAADgPwAAAAAAAOA/AAAAAAAA4D8AAAAAAADgPwAAAAAAAOA/AAAAAAAA4D8AAAAAAADgPwAAAAAAAOA/AAAAAAAA4D8CAAAAjAAAAAAAAAAAAAAAT4G9DP///wgAAAAAAAAAAAAAAAAAAAAAAAAAAAAAAAAAAAAAZAAAAAEAAABAAAAAAAAAAAAAAAAAAAAAAAAAAAAAAAAAAAAAAAAAAAAAAAAAAAAAAAAAAAAAAAAAAAAAAAAAAAAAAAAAAAAAAAAAAAAAAAAAAAAAAAAAAAAAAAAAAAAAFAAAADwAAAAAAAAAAAAAAAAAAAkUAAAAAQAAABQAAAAUAAAAFAAAAAEAAAAAAAAAZAAAAGQAAAAAAAAAZAAAAGQAAAAVAAAAYAAAAAAAAAAAAAAADwAAACADAAAAAAAAAAAAAAEAAACgMgAAVgcAAKr4//8BAAAAf39/AAEAAABkAAAAAAAAABQAAABAHwAAAAAAACYAAAAAAAAAwOD//wAAAAAmAAAAZAAAABYAAABMAAAAAAAAAAAAAAAEAAAAAAAAAAEAAADu7OEKAAAAACgAAAAoAAAAZAAAAGQAAAAAAAAAzMzMAAAAAABQAAAAUAAAAGQAAABkAAAAAAAAAAcAAAA4AAAAAAAAAAAAAAAAAAAA////AAAAAAAAAAAAAAAAAAAAAAAAAAAAAAAAAAAAAABkAAAAZAAAAAAAAAAjAAAABAAAAGQAAAAXAAAAFAAAAAAAAAAAAAAA/38AAP9/AAAAAAAACQAAAAQAAAAAAAAAHgAAAGgAAAAAAAAAAAAAAAAAAAAAAAAAAAAAABAnAAAQJwAAAAAAAAAAAAAAAAAAAAAAAAAAAAAAAAAAAAAAAAAAAAAUAAAAAAAAAMDA/wAAAAAAZAAAADIAAAAAAAAAZAAAAAAAAAB/f38ACgAAACIAAAAYAAAAAAAAAAAAAAAAAAAAAAAAAAAAAAAAAAAAJAAAACQAAAAAAAAABwAAAAAAAAAAAAAAAAAAAAAAAAAAAAAAAAAAAH9/fwAlAAAAWAAAAAAAAAAAAAAAAAAAAAAAAAAAAAAAAAAAAAAAAAAAAAAAAAAAAAAAAAAAAAAAPwAAAAAAAACghgEAAAAAAAAAAAAAAAAADAAAAAEAAAAAAAAAAAAAAAAAAAAfAAAAVAAAAE+BvQX///8BAAAAAAAAAAAAAAAAAAAAAAAAAAAAAAAAAAAAAAAAAAAAAAACf39/AO7s4QPMzMwAwMD/AH9/fwAAAAAAAAAAAAAAAAD///8AAAAAACEAAAAYAAAAFAAAAOMBAAD2IAAAQDgAADAqAAAQAAAAJgAAAAgAAAD//////////w=="/>
+                <pr:smNativeData xmlns:pr="smNativeData" xmlns="smNativeData" val="SMDATA_17_0rbXYhMAAAAlAAAAEQAAAC0AAAAAkAAAAEgAAACQAAAASAAAAAAAAAAAAAAAAAAAAAEAAABQAAAAAAAAAAAA4D8AAAAAAADgPwAAAAAAAOA/AAAAAAAA4D8AAAAAAADgPwAAAAAAAOA/AAAAAAAA4D8AAAAAAADgPwAAAAAAAOA/AAAAAAAA4D8CAAAAjAAAAAAAAAAAAAAAT4G9DP///wgAAAAAAAAAAAAAAAAAAAAAAAAAAAAAAAAAAAAAZAAAAAEAAABAAAAAAAAAAAAAAAAAAAAAAAAAAAAAAAAAAAAAAAAAAAAAAAAAAAAAAAAAAAAAAAAAAAAAAAAAAAAAAAAAAAAAAAAAAAAAAAAAAAAAAAAAAAAAAAAAAAAAFAAAADwAAAAAAAAAAAAAAAAAAAkUAAAAAQAAABQAAAAUAAAAFAAAAAEAAAAAAAAAZAAAAGQAAAAAAAAAZAAAAGQAAAAVAAAAYAAAAAAAAAAAAAAADwAAACADAAAAAAAAAAAAAAEAAACgMgAAVgcAAKr4//8BAAAAf39/AAEAAABkAAAAAAAAABQAAABAHwAAAAAAACYAAAAAAAAAwOD//wAAAAAmAAAAZAAAABYAAABMAAAAAAAAAAAAAAAEAAAAAAAAAAEAAADu7OEKAAAAACgAAAAoAAAAZAAAAGQAAAAAAAAAzMzMAAAAAABQAAAAUAAAAGQAAABkAAAAAAAAAAcAAAA4AAAAAAAAAAAAAAAAAAAA////AAAAAAAAAAAAAAAAAAAAAAAAAAAAAAAAAAAAAABkAAAAZAAAAAAAAAAjAAAABAAAAGQAAAAXAAAAFAAAAAAAAAAAAAAA/38AAP9/AAAAAAAACQAAAAQAAAAAAAAAHgAAAGgAAAAAAAAAAAAAAAAAAAAAAAAAAAAAABAnAAAQJwAAAAAAAAAAAAAAAAAAAAAAAAAAAAAAAAAAAAAAAAAAAAAUAAAAAAAAAMDA/wAAAAAAZAAAADIAAAAAAAAAZAAAAAAAAAB/f38ACgAAACIAAAAYAAAAAAAAAAAAAAAAAAAAAAAAAAAAAAAAAAAAJAAAACQAAAAAAAAABwAAAAAAAAAAAAAAAAAAAAAAAAAAAAAAAAAAAH9/fwAlAAAAWAAAAAAAAAAAAAAAAAAAAAAAAAAAAAAAAAAAAAAAAAAAAAAAAAAAAAAAAAAAAAAAPwAAAAAAAACghgEAAAAAAAAAAAAAAAAADAAAAAEAAAAAAAAAAAAAAAAAAAAfAAAAVAAAAE+BvQX///8BAAAAAAAAAAAAAAAAAAAAAAAAAAAAAAAAAAAAAAAAAAAAAAACf39/AO7s4QPMzMwAwMD/AH9/fwAAAAAAAAAAAAAAAAD///8AAAAAACEAAAAYAAAAFAAAAOMBAAD2IAAAQDgAADAqAAAQAAAAJgAAAAgAAAD//////////w=="/>
               </a:ext>
             </a:extLst>
           </p:cNvPicPr>
@@ -5389,7 +5390,7 @@
             <a:picLocks noChangeAspect="1"/>
             <a:extLst>
               <a:ext uri="smNativeData">
-                <pr:smNativeData xmlns:pr="smNativeData" xmlns="smNativeData" val="SMDATA_17_iunWYhMAAAAlAAAAEQAAAC0AAAAAkAAAAEgAAACQAAAASAAAAAAAAAAAAAAAAAAAAAEAAABQAAAAAAAAAAAA4D8AAAAAAADgPwAAAAAAAOA/AAAAAAAA4D8AAAAAAADgPwAAAAAAAOA/AAAAAAAA4D8AAAAAAADgPwAAAAAAAOA/AAAAAAAA4D8CAAAAjAAAAAAAAAAAAAAAT4G9DP///wgAAAAAAAAAAAAAAAAAAAAAAAAAAAAAAAAAAAAAZAAAAAEAAABAAAAAAAAAAAAAAAAAAAAAAAAAAAAAAAAAAAAAAAAAAAAAAAAAAAAAAAAAAAAAAAAAAAAAAAAAAAAAAAAAAAAAAAAAAAAAAAAAAAAAAAAAAAAAAAAAAAAAFAAAADwAAAAAAAAAAAAAAAAAAAkUAAAAAQAAABQAAAAUAAAAFAAAAAEAAAAAAAAAZAAAAGQAAAAAAAAAZAAAAGQAAAAVAAAAYAAAAAAAAAAAAAAADwAAACADAAAAAAAAAAAAAAEAAACgMgAAVgcAAKr4//8BAAAAf39/AAEAAABkAAAAAAAAABQAAABAHwAAAAAAACYAAAAAAAAAwOD//wAAAAAmAAAAZAAAABYAAABMAAAAAAAAAAAAAAAEAAAAAAAAAAEAAADu7OEKAAAAACgAAAAoAAAAZAAAAGQAAAAAAAAAzMzMAAAAAABQAAAAUAAAAGQAAABkAAAAAAAAAAcAAAA4AAAAAAAAAAAAAAAAAAAA////AAAAAAAAAAAAAAAAAAAAAAAAAAAAAAAAAAAAAABkAAAAZAAAAAAAAAAjAAAABAAAAGQAAAAXAAAAFAAAAAAAAAAAAAAA/38AAP9/AAAAAAAACQAAAAQAAAD/3w3sHgAAAGgAAAAAAAAAAAAAAAAAAAAAAAAAAAAAABAnAAAQJwAAAAAAAAAAAAAAAAAAAAAAAAAAAAAAAAAAAAAAAAAAAAAUAAAAAAAAAMDA/wAAAAAAZAAAADIAAAAAAAAAZAAAAAAAAAB/f38ACgAAACIAAAAYAAAAAAAAAAAAAAAAAAAAAAAAAAAAAAAAAAAAJAAAACQAAAAAAAAABwAAAAAAAAAAAAAAAAAAAAAAAAAAAAAAAAAAAH9/fwAlAAAAWAAAAAAAAAAAAAAAAAAAAAAAAAAAAAAAAAAAAAAAAAAAAAAAAAAAAAAAAAAAAAAAPwAAAAAAAACghgEAAAAAAAAAAAAAAAAADAAAAAEAAAAAAAAAAAAAAAAAAAAfAAAAVAAAAE+BvQX///8BAAAAAAAAAAAAAAAAAAAAAAAAAAAAAAAAAAAAAAAAAAAAAAACf39/AO7s4QPMzMwAwMD/AH9/fwAAAAAAAAAAAAAAAAD///8AAAAAACEAAAAYAAAAFAAAAIsBAABfBAAAQDgAAJITAAAQAAAAJgAAAAgAAAD//////////w=="/>
+                <pr:smNativeData xmlns:pr="smNativeData" xmlns="smNativeData" val="SMDATA_17_0rbXYhMAAAAlAAAAEQAAAC0AAAAAkAAAAEgAAACQAAAASAAAAAAAAAAAAAAAAAAAAAEAAABQAAAAAAAAAAAA4D8AAAAAAADgPwAAAAAAAOA/AAAAAAAA4D8AAAAAAADgPwAAAAAAAOA/AAAAAAAA4D8AAAAAAADgPwAAAAAAAOA/AAAAAAAA4D8CAAAAjAAAAAAAAAAAAAAAT4G9DP///wgAAAAAAAAAAAAAAAAAAAAAAAAAAAAAAAAAAAAAZAAAAAEAAABAAAAAAAAAAAAAAAAAAAAAAAAAAAAAAAAAAAAAAAAAAAAAAAAAAAAAAAAAAAAAAAAAAAAAAAAAAAAAAAAAAAAAAAAAAAAAAAAAAAAAAAAAAAAAAAAAAAAAFAAAADwAAAAAAAAAAAAAAAAAAAkUAAAAAQAAABQAAAAUAAAAFAAAAAEAAAAAAAAAZAAAAGQAAAAAAAAAZAAAAGQAAAAVAAAAYAAAAAAAAAAAAAAADwAAACADAAAAAAAAAAAAAAEAAACgMgAAVgcAAKr4//8BAAAAf39/AAEAAABkAAAAAAAAABQAAABAHwAAAAAAACYAAAAAAAAAwOD//wAAAAAmAAAAZAAAABYAAABMAAAAAAAAAAAAAAAEAAAAAAAAAAEAAADu7OEKAAAAACgAAAAoAAAAZAAAAGQAAAAAAAAAzMzMAAAAAABQAAAAUAAAAGQAAABkAAAAAAAAAAcAAAA4AAAAAAAAAAAAAAAAAAAA////AAAAAAAAAAAAAAAAAAAAAAAAAAAAAAAAAAAAAABkAAAAZAAAAAAAAAAjAAAABAAAAGQAAAAXAAAAFAAAAAAAAAAAAAAA/38AAP9/AAAAAAAACQAAAAQAAAD/3w3sHgAAAGgAAAAAAAAAAAAAAAAAAAAAAAAAAAAAABAnAAAQJwAAAAAAAAAAAAAAAAAAAAAAAAAAAAAAAAAAAAAAAAAAAAAUAAAAAAAAAMDA/wAAAAAAZAAAADIAAAAAAAAAZAAAAAAAAAB/f38ACgAAACIAAAAYAAAAAAAAAAAAAAAAAAAAAAAAAAAAAAAAAAAAJAAAACQAAAAAAAAABwAAAAAAAAAAAAAAAAAAAAAAAAAAAAAAAAAAAH9/fwAlAAAAWAAAAAAAAAAAAAAAAAAAAAAAAAAAAAAAAAAAAAAAAAAAAAAAAAAAAAAAAAAAAAAAPwAAAAAAAACghgEAAAAAAAAAAAAAAAAADAAAAAEAAAAAAAAAAAAAAAAAAAAfAAAAVAAAAE+BvQX///8BAAAAAAAAAAAAAAAAAAAAAAAAAAAAAAAAAAAAAAAAAAAAAAACf39/AO7s4QPMzMwAwMD/AH9/fwAAAAAAAAAAAAAAAAD///8AAAAAACEAAAAYAAAAFAAAAIsBAABfBAAAQDgAAJITAAAQAAAAJgAAAAgAAAD//////////w=="/>
               </a:ext>
             </a:extLst>
           </p:cNvPicPr>
@@ -5423,7 +5424,7 @@
             <a:spLocks noGrp="1" noChangeArrowheads="1"/>
             <a:extLst>
               <a:ext uri="smNativeData">
-                <pr:smNativeData xmlns:pr="smNativeData" xmlns="smNativeData" val="SMDATA_15_iunWYhMAAAAlAAAAZAAAAA0AAAAAkAAAAEgAAACQAAAASAAAAAAAAAABAAAAAAAAAAEAAABQAAAAAAAAAAAA4D8AAAAAAADgPwAAAAAAAOA/AAAAAAAA4D8AAAAAAADgPwAAAAAAAOA/AAAAAAAA4D8AAAAAAADgPwAAAAAAAOA/AAAAAAAA4D8CAAAAjAAAAAAAAAAAAAAAT4G9DP///wgAAAAAAAAAAAAAAAAAAAAAAAAAAAAAAAAAAAAAZAAAAAEAAABAAAAAAAAAAAAAAAAAAAAAAAAAAAAAAAAAAAAAAAAAAAAAAAAAAAAAAAAAAAAAAAAAAAAAAAAAAAAAAAAAAAAAAAAAAAAAAAAAAAAAAAAAAAAAAAAAAAAAFAAAADwAAAAAAAAAAAAAAAAAAAkUAAAAAQAAABQAAAAUAAAAFAAAAAEAAAAAAAAAZAAAAGQAAAAAAAAAZAAAAGQAAAAVAAAAYAAAAAAAAAAAAAAADwAAACADAAAAAAAAAAAAAAEAAACgMgAAVgcAAKr4//8BAAAAf39/AAEAAABkAAAAAAAAABQAAABAHwAAAAAAACYAAAAAAAAAwOD//wAAAAAmAAAAZAAAABYAAABMAAAAAAAAAAAAAAAEAAAAAAAAAAEAAADu7OEKAAAAACgAAAAoAAAAZAAAAGQAAAAAAAAAzMzMAAAAAABQAAAAUAAAAGQAAABkAAAAAAAAABcAAAAUAAAAAAAAAAAAAAD/fwAA/38AAAAAAAAJAAAABAAAAAAAAAAeAAAAaAAAAAAAAAAAAAAAAAAAAAAAAAAAAAAAECcAABAnAAAAAAAAAAAAAAAAAAAAAAAAAAAAAAAAAAAAAAAAAAAAABQAAAAAAAAAwMD/AAAAAABkAAAAMgAAAAAAAABkAAAAAAAAAH9/fwAKAAAAIgAAABgAAAAAAAAAAAAAAAAAAAAAAAAAAAAAAAAAAAAkAAAAJAAAAAAAAAAHAAAAAAAAAAAAAAAAAAAAAAAAAAAAAAAAAAAAf39/ACUAAABYAAAAAAAAAAAAAAAAAAAAAAAAAAAAAAAAAAAAAAAAAAAAAAAAAAAAAAAAAAAAAAA/AAAAAAAAAKCGAQAAAAAAAAAAAAAAAAAMAAAAAQAAAAAAAAAAAAAAAAAAAB8AAABUAAAAT4G9Bf///wEAAAAAAAAAAAAAAAAAAAAAAAAAAAAAAAAAAAAAAAAAAAAAAAJ/f38A7uzhA8zMzADAwP8Af39/AAAAAAAAAAAAAAAAAAAAAAAAAAAAIQAAABgAAAAUAAAA0AIAAGX9//9wNQAAbQQAABAAAAAmAAAACAAAAAEgAAAAAAAA"/>
+                <pr:smNativeData xmlns:pr="smNativeData" xmlns="smNativeData" val="SMDATA_15_0rbXYhMAAAAlAAAAZAAAAA0AAAAAkAAAAEgAAACQAAAASAAAAAAAAAABAAAAAAAAAAEAAABQAAAAAAAAAAAA4D8AAAAAAADgPwAAAAAAAOA/AAAAAAAA4D8AAAAAAADgPwAAAAAAAOA/AAAAAAAA4D8AAAAAAADgPwAAAAAAAOA/AAAAAAAA4D8CAAAAjAAAAAAAAAAAAAAAT4G9DP///wgAAAAAAAAAAAAAAAAAAAAAAAAAAAAAAAAAAAAAZAAAAAEAAABAAAAAAAAAAAAAAAAAAAAAAAAAAAAAAAAAAAAAAAAAAAAAAAAAAAAAAAAAAAAAAAAAAAAAAAAAAAAAAAAAAAAAAAAAAAAAAAAAAAAAAAAAAAAAAAAAAAAAFAAAADwAAAAAAAAAAAAAAAAAAAkUAAAAAQAAABQAAAAUAAAAFAAAAAEAAAAAAAAAZAAAAGQAAAAAAAAAZAAAAGQAAAAVAAAAYAAAAAAAAAAAAAAADwAAACADAAAAAAAAAAAAAAEAAACgMgAAVgcAAKr4//8BAAAAf39/AAEAAABkAAAAAAAAABQAAABAHwAAAAAAACYAAAAAAAAAwOD//wAAAAAmAAAAZAAAABYAAABMAAAAAAAAAAAAAAAEAAAAAAAAAAEAAADu7OEKAAAAACgAAAAoAAAAZAAAAGQAAAAAAAAAzMzMAAAAAABQAAAAUAAAAGQAAABkAAAAAAAAABcAAAAUAAAAAAAAAAAAAAD/fwAA/38AAAAAAAAJAAAABAAAAAAAAAAeAAAAaAAAAAAAAAAAAAAAAAAAAAAAAAAAAAAAECcAABAnAAAAAAAAAAAAAAAAAAAAAAAAAAAAAAAAAAAAAAAAAAAAABQAAAAAAAAAwMD/AAAAAABkAAAAMgAAAAAAAABkAAAAAAAAAH9/fwAKAAAAIgAAABgAAAAAAAAAAAAAAAAAAAAAAAAAAAAAAAAAAAAkAAAAJAAAAAAAAAAHAAAAAAAAAAAAAAAAAAAAAAAAAAAAAAAAAAAAf39/ACUAAABYAAAAAAAAAAAAAAAAAAAAAAAAAAAAAAAAAAAAAAAAAAAAAAAAAAAAAAAAAAAAAAA/AAAAAAAAAKCGAQAAAAAAAAAAAAAAAAAMAAAAAQAAAAAAAAAAAAAAAAAAAB8AAABUAAAAT4G9Bf///wEAAAAAAAAAAAAAAAAAAAAAAAAAAAAAAAAAAAAAAAAAAAAAAAJ/f38A7uzhA8zMzADAwP8Af39/AAAAAAAAAAAAAAAAAAAAAAAAAAAAIQAAABgAAAAUAAAA0AIAAGX9//9wNQAAbQQAABAAAAAmAAAACAAAAAEgAAAAAAAA"/>
               </a:ext>
             </a:extLst>
           </p:cNvSpPr>
@@ -5463,7 +5464,7 @@
             <a:spLocks noGrp="1" noChangeArrowheads="1"/>
             <a:extLst>
               <a:ext uri="smNativeData">
-                <pr:smNativeData xmlns:pr="smNativeData" xmlns="smNativeData" val="SMDATA_15_iunWYhMAAAAlAAAAZAAAAA0AAAAAkAAAAEgAAACQAAAASAAAAAAAAAAAAAAAAAAAAAEAAABQAAAAAAAAAAAA4D8AAAAAAADgPwAAAAAAAOA/AAAAAAAA4D8AAAAAAADgPwAAAAAAAOA/AAAAAAAA4D8AAAAAAADgPwAAAAAAAOA/AAAAAAAA4D8CAAAAjAAAAAAAAAAAAAAAT4G9DP///wgAAAAAAAAAAAAAAAAAAAAAAAAAAAAAAAAAAAAAZAAAAAEAAABAAAAAAAAAAAAAAAAAAAAAAAAAAAAAAAAAAAAAAAAAAAAAAAAAAAAAAAAAAAAAAAAAAAAAAAAAAAAAAAAAAAAAAAAAAAAAAAAAAAAAAAAAAAAAAAAAAAAAFAAAADwAAAAAAAAAAAAAAAAAAAkUAAAAAQAAABQAAAAUAAAAFAAAAAEAAAAAAAAAZAAAAGQAAAAAAAAAZAAAAGQAAAAVAAAAYAAAAAAAAAAAAAAADwAAACADAAAAAAAAAAAAAAEAAACgMgAAVgcAAKr4//8BAAAAf39/AAEAAABkAAAAAAAAABQAAABAHwAAAAAAACYAAAAAAAAAwOD//wAAAAAmAAAAZAAAABYAAABMAAAAAAAAAAAAAAAEAAAAAAAAAAEAAADu7OEKAAAAACgAAAAoAAAAZAAAAGQAAAAAAAAAzMzMAAAAAABQAAAAUAAAAGQAAABkAAAAAAAAABcAAAAUAAAAAAAAAAAAAAD/fwAA/38AAAAAAAAJAAAABAAAAAAAAAAeAAAAaAAAAAAAAAAAAAAAAAAAAAAAAAAAAAAAECcAABAnAAAAAAAAAAAAAAAAAAAAAAAAAAAAAAAAAAAAAAAAAAAAABQAAAAAAAAAwMD/AAAAAABkAAAAMgAAAAAAAABkAAAAAAAAAH9/fwAKAAAAIgAAABgAAAAAAAAAAAAAAAAAAAAAAAAAAAAAAAAAAAAkAAAAJAAAAAAAAAAHAAAAAAAAAAAAAAAAAAAAAAAAAAAAAAAAAAAAf39/ACUAAABYAAAAAAAAAAAAAAAAAAAAAAAAAAAAAAAAAAAAAAAAAAAAAAAAAAAAAAAAAAAAAAA/AAAAAAAAAKCGAQAAAAAAAAAAAAAAAAAMAAAAAQAAAAAAAAAAAAAAAAAAAB8AAABUAAAAT4G9Bf///wEAAAAAAAAAAAAAAAAAAAAAAAAAAAAAAAAAAAAAAAAAAAAAAAJ/f38A7uzhA8zMzADAwP8Af39/AAAAAAAAAAAAAAAAAAAAAAAAAAAAIQAAABgAAAAUAAAAAAAAAF4BAABAOAAAMCoAAAAAAAAmAAAACAAAAAEgAAAAAAAA"/>
+                <pr:smNativeData xmlns:pr="smNativeData" xmlns="smNativeData" val="SMDATA_15_0rbXYhMAAAAlAAAAZAAAAA0AAAAAkAAAAEgAAACQAAAASAAAAAAAAAAAAAAAAAAAAAEAAABQAAAAAAAAAAAA4D8AAAAAAADgPwAAAAAAAOA/AAAAAAAA4D8AAAAAAADgPwAAAAAAAOA/AAAAAAAA4D8AAAAAAADgPwAAAAAAAOA/AAAAAAAA4D8CAAAAjAAAAAAAAAAAAAAAT4G9DP///wgAAAAAAAAAAAAAAAAAAAAAAAAAAAAAAAAAAAAAZAAAAAEAAABAAAAAAAAAAAAAAAAAAAAAAAAAAAAAAAAAAAAAAAAAAAAAAAAAAAAAAAAAAAAAAAAAAAAAAAAAAAAAAAAAAAAAAAAAAAAAAAAAAAAAAAAAAAAAAAAAAAAAFAAAADwAAAAAAAAAAAAAAAAAAAkUAAAAAQAAABQAAAAUAAAAFAAAAAEAAAAAAAAAZAAAAGQAAAAAAAAAZAAAAGQAAAAVAAAAYAAAAAAAAAAAAAAADwAAACADAAAAAAAAAAAAAAEAAACgMgAAVgcAAKr4//8BAAAAf39/AAEAAABkAAAAAAAAABQAAABAHwAAAAAAACYAAAAAAAAAwOD//wAAAAAmAAAAZAAAABYAAABMAAAAAAAAAAAAAAAEAAAAAAAAAAEAAADu7OEKAAAAACgAAAAoAAAAZAAAAGQAAAAAAAAAzMzMAAAAAABQAAAAUAAAAGQAAABkAAAAAAAAABcAAAAUAAAAAAAAAAAAAAD/fwAA/38AAAAAAAAJAAAABAAAAAAAAAAeAAAAaAAAAAAAAAAAAAAAAAAAAAAAAAAAAAAAECcAABAnAAAAAAAAAAAAAAAAAAAAAAAAAAAAAAAAAAAAAAAAAAAAABQAAAAAAAAAwMD/AAAAAABkAAAAMgAAAAAAAABkAAAAAAAAAH9/fwAKAAAAIgAAABgAAAAAAAAAAAAAAAAAAAAAAAAAAAAAAAAAAAAkAAAAJAAAAAAAAAAHAAAAAAAAAAAAAAAAAAAAAAAAAAAAAAAAAAAAf39/ACUAAABYAAAAAAAAAAAAAAAAAAAAAAAAAAAAAAAAAAAAAAAAAAAAAAAAAAAAAAAAAAAAAAA/AAAAAAAAAKCGAQAAAAAAAAAAAAAAAAAMAAAAAQAAAAAAAAAAAAAAAAAAAB8AAABUAAAAT4G9Bf///wEAAAAAAAAAAAAAAAAAAAAAAAAAAAAAAAAAAAAAAAAAAAAAAAJ/f38A7uzhA8zMzADAwP8Af39/AAAAAAAAAAAAAAAAAAAAAAAAAAAAIQAAABgAAAAUAAAAAAAAAF4BAABAOAAAMCoAAAAAAAAmAAAACAAAAAEgAAAAAAAA"/>
               </a:ext>
             </a:extLst>
           </p:cNvSpPr>
@@ -5731,7 +5732,7 @@
             <a:picLocks noChangeAspect="1"/>
             <a:extLst>
               <a:ext uri="smNativeData">
-                <pr:smNativeData xmlns:pr="smNativeData" xmlns="smNativeData" val="SMDATA_17_iunWYhMAAAAlAAAAEQAAAC0AAAAAkAAAAEgAAACQAAAASAAAAAAAAAAAAAAAAAAAAAEAAABQAAAAAAAAAAAA4D8AAAAAAADgPwAAAAAAAOA/AAAAAAAA4D8AAAAAAADgPwAAAAAAAOA/AAAAAAAA4D8AAAAAAADgPwAAAAAAAOA/AAAAAAAA4D8CAAAAjAAAAAAAAAAAAAAAT4G9DP///wgAAAAAAAAAAAAAAAAAAAAAAAAAAAAAAAAAAAAAZAAAAAEAAABAAAAAAAAAAAAAAAAAAAAAAAAAAAAAAAAAAAAAAAAAAAAAAAAAAAAAAAAAAAAAAAAAAAAAAAAAAAAAAAAAAAAAAAAAAAAAAAAAAAAAAAAAAAAAAAAAAAAAFAAAADwAAAAAAAAAAAAAAAAAAAkUAAAAAQAAABQAAAAUAAAAFAAAAAEAAAAAAAAAZAAAAGQAAAAAAAAAZAAAAGQAAAAVAAAAYAAAAAAAAAAAAAAADwAAACADAAAAAAAAAAAAAAEAAACgMgAAVgcAAKr4//8BAAAAf39/AAEAAABkAAAAAAAAABQAAABAHwAAAAAAACYAAAAAAAAAwOD//wAAAAAmAAAAZAAAABYAAABMAAAAAAAAAAAAAAAEAAAAAAAAAAEAAADu7OEKAAAAACgAAAAoAAAAZAAAAGQAAAAAAAAAzMzMAAAAAABQAAAAUAAAAGQAAABkAAAAAAAAAAcAAAA4AAAAAAAAAAAAAAAAAAAA////AAAAAAAAAAAAAAAAAAAAAAAAAAAAAAAAAAAAAABkAAAAZAAAAAAAAAAjAAAABAAAAGQAAAAXAAAAFAAAAAAAAAAAAAAA/38AAP9/AAAAAAAACQAAAAQAAAAAAAAAHgAAAGgAAAAAAAAAAAAAAAAAAAAAAAAAAAAAABAnAAAQJwAAAAAAAAAAAAAAAAAAAAAAAAAAAAAAAAAAAAAAAAAAAAAUAAAAAAAAAMDA/wAAAAAAZAAAADIAAAAAAAAAZAAAAAAAAAB/f38ACgAAACIAAAAYAAAAAAAAAAAAAAAAAAAAAAAAAAAAAAAAAAAAJAAAACQAAAAAAAAABwAAAAAAAAAAAAAAAAAAAAAAAAAAAAAAAAAAAH9/fwAlAAAAWAAAAAAAAAAAAAAAAAAAAAAAAAAAAAAAAAAAAAAAAAAAAAAAAAAAAAAAAAAAAAAAPwAAAAAAAACghgEAAAAAAAAAAAAAAAAADAAAAAEAAAAAAAAAAAAAAAAAAAAfAAAAVAAAAE+BvQX///8BAAAAAAAAAAAAAAAAAAAAAAAAAAAAAAAAAAAAAAAAAAAAAAACf39/AO7s4QPMzMwAwMD/AH9/fwAAAAAAAAAAAAAAAAD///8AAAAAACEAAAAYAAAAFAAAAOgSAABlFAAAeB4AAN0ZAAAQAAAAJgAAAAgAAAD//////////w=="/>
+                <pr:smNativeData xmlns:pr="smNativeData" xmlns="smNativeData" val="SMDATA_17_0rbXYhMAAAAlAAAAEQAAAC0AAAAAkAAAAEgAAACQAAAASAAAAAAAAAAAAAAAAAAAAAEAAABQAAAAAAAAAAAA4D8AAAAAAADgPwAAAAAAAOA/AAAAAAAA4D8AAAAAAADgPwAAAAAAAOA/AAAAAAAA4D8AAAAAAADgPwAAAAAAAOA/AAAAAAAA4D8CAAAAjAAAAAAAAAAAAAAAT4G9DP///wgAAAAAAAAAAAAAAAAAAAAAAAAAAAAAAAAAAAAAZAAAAAEAAABAAAAAAAAAAAAAAAAAAAAAAAAAAAAAAAAAAAAAAAAAAAAAAAAAAAAAAAAAAAAAAAAAAAAAAAAAAAAAAAAAAAAAAAAAAAAAAAAAAAAAAAAAAAAAAAAAAAAAFAAAADwAAAAAAAAAAAAAAAAAAAkUAAAAAQAAABQAAAAUAAAAFAAAAAEAAAAAAAAAZAAAAGQAAAAAAAAAZAAAAGQAAAAVAAAAYAAAAAAAAAAAAAAADwAAACADAAAAAAAAAAAAAAEAAACgMgAAVgcAAKr4//8BAAAAf39/AAEAAABkAAAAAAAAABQAAABAHwAAAAAAACYAAAAAAAAAwOD//wAAAAAmAAAAZAAAABYAAABMAAAAAAAAAAAAAAAEAAAAAAAAAAEAAADu7OEKAAAAACgAAAAoAAAAZAAAAGQAAAAAAAAAzMzMAAAAAABQAAAAUAAAAGQAAABkAAAAAAAAAAcAAAA4AAAAAAAAAAAAAAAAAAAA////AAAAAAAAAAAAAAAAAAAAAAAAAAAAAAAAAAAAAABkAAAAZAAAAAAAAAAjAAAABAAAAGQAAAAXAAAAFAAAAAAAAAAAAAAA/38AAP9/AAAAAAAACQAAAAQAAAAAAAAAHgAAAGgAAAAAAAAAAAAAAAAAAAAAAAAAAAAAABAnAAAQJwAAAAAAAAAAAAAAAAAAAAAAAAAAAAAAAAAAAAAAAAAAAAAUAAAAAAAAAMDA/wAAAAAAZAAAADIAAAAAAAAAZAAAAAAAAAB/f38ACgAAACIAAAAYAAAAAAAAAAAAAAAAAAAAAAAAAAAAAAAAAAAAJAAAACQAAAAAAAAABwAAAAAAAAAAAAAAAAAAAAAAAAAAAAAAAAAAAH9/fwAlAAAAWAAAAAAAAAAAAAAAAAAAAAAAAAAAAAAAAAAAAAAAAAAAAAAAAAAAAAAAAAAAAAAAPwAAAAAAAACghgEAAAAAAAAAAAAAAAAADAAAAAEAAAAAAAAAAAAAAAAAAAAfAAAAVAAAAE+BvQX///8BAAAAAAAAAAAAAAAAAAAAAAAAAAAAAAAAAAAAAAAAAAAAAAACf39/AO7s4QPMzMwAwMD/AH9/fwAAAAAAAAAAAAAAAAD///8AAAAAACEAAAAYAAAAFAAAAOgSAABlFAAAeB4AAN0ZAAAQAAAAJgAAAAgAAAD//////////w=="/>
               </a:ext>
             </a:extLst>
           </p:cNvPicPr>
@@ -5797,7 +5798,7 @@
             <a:spLocks noGrp="1" noChangeArrowheads="1"/>
             <a:extLst>
               <a:ext uri="smNativeData">
-                <pr:smNativeData xmlns:pr="smNativeData" xmlns="smNativeData" val="SMDATA_15_iunWYhMAAAAlAAAAZAAAAA0AAAAAkAAAAEgAAACQAAAASAAAAAAAAAABAAAAAAAAAAEAAABQAAAAAAAAAAAA4D8AAAAAAADgPwAAAAAAAOA/AAAAAAAA4D8AAAAAAADgPwAAAAAAAOA/AAAAAAAA4D8AAAAAAADgPwAAAAAAAOA/AAAAAAAA4D8CAAAAjAAAAAAAAAAAAAAAT4G9DP///wgAAAAAAAAAAAAAAAAAAAAAAAAAAAAAAAAAAAAAZAAAAAEAAABAAAAAAAAAAAAAAAAAAAAAAAAAAAAAAAAAAAAAAAAAAAAAAAAAAAAAAAAAAAAAAAAAAAAAAAAAAAAAAAAAAAAAAAAAAAAAAAAAAAAAAAAAAAAAAAAAAAAAFAAAADwAAAAAAAAAAAAAAAAAAAkUAAAAAQAAABQAAAAUAAAAFAAAAAEAAAAAAAAAZAAAAGQAAAAAAAAAZAAAAGQAAAAVAAAAYAAAAAAAAAAAAAAADwAAACADAAAAAAAAAAAAAAEAAACgMgAAVgcAAKr4//8BAAAAf39/AAEAAABkAAAAAAAAABQAAABAHwAAAAAAACYAAAAAAAAAwOD//wAAAAAmAAAAZAAAABYAAABMAAAAAAAAAAAAAAAEAAAAAAAAAAEAAADu7OEKAAAAACgAAAAoAAAAZAAAAGQAAAAAAAAAzMzMAAAAAABQAAAAUAAAAGQAAABkAAAAAAAAABcAAAAUAAAAAAAAAAAAAAD/fwAA/38AAAAAAAAJAAAABAAAAAAAAAAeAAAAaAAAAAAAAAAAAAAAAAAAAAAAAAAAAAAAECcAABAnAAAAAAAAAAAAAAAAAAAAAAAAAAAAAAAAAAAAAAAAAAAAABQAAAAAAAAAwMD/AAAAAABkAAAAMgAAAAAAAABkAAAAAAAAAH9/fwAKAAAAIgAAABgAAAAAAAAAAAAAAAAAAAAAAAAAAAAAAAAAAAAkAAAAJAAAAAAAAAAHAAAAAAAAAAAAAAAAAAAAAAAAAAAAAAAAAAAAf39/ACUAAABYAAAAAAAAAAAAAAAAAAAAAAAAAAAAAAAAAAAAAAAAAAAAAAAAAAAAAAAAAAAAAAA/AAAAAAAAAKCGAQAAAAAAAAAAAAAAAAAMAAAAAQAAAAAAAAAAAAAAAAAAAB8AAABUAAAAT4G9Bf///wEAAAAAAAAAAAAAAAAAAAAAAAAAAAAAAAAAAAAAAAAAAAAAAAJ/f38A7uzhA8zMzADAwP8Af39/AAAAAAAAAAAAAAAAAAAAAAAAAAAAIQAAABgAAAAUAAAA0AIAALEBAABwNQAAuQgAABAAAAAmAAAACAAAAAAAAAAAAAAA"/>
+                <pr:smNativeData xmlns:pr="smNativeData" xmlns="smNativeData" val="SMDATA_15_0rbXYhMAAAAlAAAAZAAAAA0AAAAAkAAAAEgAAACQAAAASAAAAAAAAAABAAAAAAAAAAEAAABQAAAAAAAAAAAA4D8AAAAAAADgPwAAAAAAAOA/AAAAAAAA4D8AAAAAAADgPwAAAAAAAOA/AAAAAAAA4D8AAAAAAADgPwAAAAAAAOA/AAAAAAAA4D8CAAAAjAAAAAAAAAAAAAAAT4G9DP///wgAAAAAAAAAAAAAAAAAAAAAAAAAAAAAAAAAAAAAZAAAAAEAAABAAAAAAAAAAAAAAAAAAAAAAAAAAAAAAAAAAAAAAAAAAAAAAAAAAAAAAAAAAAAAAAAAAAAAAAAAAAAAAAAAAAAAAAAAAAAAAAAAAAAAAAAAAAAAAAAAAAAAFAAAADwAAAAAAAAAAAAAAAAAAAkUAAAAAQAAABQAAAAUAAAAFAAAAAEAAAAAAAAAZAAAAGQAAAAAAAAAZAAAAGQAAAAVAAAAYAAAAAAAAAAAAAAADwAAACADAAAAAAAAAAAAAAEAAACgMgAAVgcAAKr4//8BAAAAf39/AAEAAABkAAAAAAAAABQAAABAHwAAAAAAACYAAAAAAAAAwOD//wAAAAAmAAAAZAAAABYAAABMAAAAAAAAAAAAAAAEAAAAAAAAAAEAAADu7OEKAAAAACgAAAAoAAAAZAAAAGQAAAAAAAAAzMzMAAAAAABQAAAAUAAAAGQAAABkAAAAAAAAABcAAAAUAAAAAAAAAAAAAAD/fwAA/38AAAAAAAAJAAAABAAAAAAAAAAeAAAAaAAAAAAAAAAAAAAAAAAAAAAAAAAAAAAAECcAABAnAAAAAAAAAAAAAAAAAAAAAAAAAAAAAAAAAAAAAAAAAAAAABQAAAAAAAAAwMD/AAAAAABkAAAAMgAAAAAAAABkAAAAAAAAAH9/fwAKAAAAIgAAABgAAAAAAAAAAAAAAAAAAAAAAAAAAAAAAAAAAAAkAAAAJAAAAAAAAAAHAAAAAAAAAAAAAAAAAAAAAAAAAAAAAAAAAAAAf39/ACUAAABYAAAAAAAAAAAAAAAAAAAAAAAAAAAAAAAAAAAAAAAAAAAAAAAAAAAAAAAAAAAAAAA/AAAAAAAAAKCGAQAAAAAAAAAAAAAAAAAMAAAAAQAAAAAAAAAAAAAAAAAAAB8AAABUAAAAT4G9Bf///wEAAAAAAAAAAAAAAAAAAAAAAAAAAAAAAAAAAAAAAAAAAAAAAAJ/f38A7uzhA8zMzADAwP8Af39/AAAAAAAAAAAAAAAAAAAAAAAAAAAAIQAAABgAAAAUAAAA0AIAALEBAABwNQAAuQgAABAAAAAmAAAACAAAAAAAAAAAAAAA"/>
               </a:ext>
             </a:extLst>
           </p:cNvSpPr>
@@ -5826,7 +5827,7 @@
             <a:spLocks noGrp="1" noChangeArrowheads="1"/>
             <a:extLst>
               <a:ext uri="smNativeData">
-                <pr:smNativeData xmlns:pr="smNativeData" xmlns="smNativeData" val="SMDATA_15_iunWYhMAAAAlAAAAZAAAAA0AAAAAkAAAAEgAAACQAAAASAAAAAAAAAAAAAAAAAAAAAEAAABQAAAAAAAAAAAA4D8AAAAAAADgPwAAAAAAAOA/AAAAAAAA4D8AAAAAAADgPwAAAAAAAOA/AAAAAAAA4D8AAAAAAADgPwAAAAAAAOA/AAAAAAAA4D8CAAAAjAAAAAAAAAAAAAAAT4G9DP///wgAAAAAAAAAAAAAAAAAAAAAAAAAAAAAAAAAAAAAZAAAAAEAAABAAAAAAAAAAAAAAAAAAAAAAAAAAAAAAAAAAAAAAAAAAAAAAAAAAAAAAAAAAAAAAAAAAAAAAAAAAAAAAAAAAAAAAAAAAAAAAAAAAAAAAAAAAAAAAAAAAAAAFAAAADwAAAAAAAAAAAAAAAAAAAkUAAAAAQAAABQAAAAUAAAAFAAAAAEAAAAAAAAAZAAAAGQAAAAAAAAAZAAAAGQAAAAVAAAAYAAAAAAAAAAAAAAADwAAACADAAAAAAAAAAAAAAEAAACgMgAAVgcAAKr4//8BAAAAf39/AAEAAABkAAAAAAAAABQAAABAHwAAAAAAACYAAAAAAAAAwOD//wAAAAAmAAAAZAAAABYAAABMAAAAAAAAAAAAAAAEAAAAAAAAAAEAAADu7OEKAAAAACgAAAAoAAAAZAAAAGQAAAAAAAAAzMzMAAAAAABQAAAAUAAAAGQAAABkAAAAAAAAABcAAAAUAAAAAAAAAAAAAAD/fwAA/38AAAAAAAAJAAAABAAAAC8AAAAeAAAAaAAAAAAAAAAAAAAAAAAAAAAAAAAAAAAAECcAABAnAAAAAAAAAAAAAAAAAAAAAAAAAAAAAAAAAAAAAAAAAAAAABQAAAAAAAAAwMD/AAAAAABkAAAAMgAAAAAAAABkAAAAAAAAAH9/fwAKAAAAIgAAABgAAAAAAAAAAAAAAAAAAAAAAAAAAAAAAAAAAAAkAAAAJAAAAAAAAAAHAAAAAAAAAAAAAAAAAAAAAAAAAAAAAAAAAAAAf39/ACUAAABYAAAAAAAAAAAAAAAAAAAAAAAAAAAAAAAAAAAAAAAAAAAAAAAAAAAAAAAAAAAAAAA/AAAAAAAAAKCGAQAAAAAAAAAAAAAAAAAMAAAAAQAAAAAAAAAAAAAAAAAAAB8AAABUAAAAT4G9Bf///wEAAAAAAAAAAAAAAAAAAAAAAAAAAAAAAAAAAAAAAAAAAAAAAAJ/f38A7uzhA8zMzADAwP8Af39/AAAAAAAAAAAAAAAAAAAAAAAAAAAAIQAAABgAAAAUAAAA0AIAANgJAAA8NwAAsCUAABAAAAAmAAAACAAAAAEAAAAAAAAA"/>
+                <pr:smNativeData xmlns:pr="smNativeData" xmlns="smNativeData" val="SMDATA_15_0rbXYhMAAAAlAAAAZAAAAA0AAAAAkAAAAEgAAACQAAAASAAAAAAAAAAAAAAAAAAAAAEAAABQAAAAAAAAAAAA4D8AAAAAAADgPwAAAAAAAOA/AAAAAAAA4D8AAAAAAADgPwAAAAAAAOA/AAAAAAAA4D8AAAAAAADgPwAAAAAAAOA/AAAAAAAA4D8CAAAAjAAAAAAAAAAAAAAAT4G9DP///wgAAAAAAAAAAAAAAAAAAAAAAAAAAAAAAAAAAAAAZAAAAAEAAABAAAAAAAAAAAAAAAAAAAAAAAAAAAAAAAAAAAAAAAAAAAAAAAAAAAAAAAAAAAAAAAAAAAAAAAAAAAAAAAAAAAAAAAAAAAAAAAAAAAAAAAAAAAAAAAAAAAAAFAAAADwAAAAAAAAAAAAAAAAAAAkUAAAAAQAAABQAAAAUAAAAFAAAAAEAAAAAAAAAZAAAAGQAAAAAAAAAZAAAAGQAAAAVAAAAYAAAAAAAAAAAAAAADwAAACADAAAAAAAAAAAAAAEAAACgMgAAVgcAAKr4//8BAAAAf39/AAEAAABkAAAAAAAAABQAAABAHwAAAAAAACYAAAAAAAAAwOD//wAAAAAmAAAAZAAAABYAAABMAAAAAAAAAAAAAAAEAAAAAAAAAAEAAADu7OEKAAAAACgAAAAoAAAAZAAAAGQAAAAAAAAAzMzMAAAAAABQAAAAUAAAAGQAAABkAAAAAAAAABcAAAAUAAAAAAAAAAAAAAD/fwAA/38AAAAAAAAJAAAABAAAAC8AAAAeAAAAaAAAAAAAAAAAAAAAAAAAAAAAAAAAAAAAECcAABAnAAAAAAAAAAAAAAAAAAAAAAAAAAAAAAAAAAAAAAAAAAAAABQAAAAAAAAAwMD/AAAAAABkAAAAMgAAAAAAAABkAAAAAAAAAH9/fwAKAAAAIgAAABgAAAAAAAAAAAAAAAAAAAAAAAAAAAAAAAAAAAAkAAAAJAAAAAAAAAAHAAAAAAAAAAAAAAAAAAAAAAAAAAAAAAAAAAAAf39/ACUAAABYAAAAAAAAAAAAAAAAAAAAAAAAAAAAAAAAAAAAAAAAAAAAAAAAAAAAAAAAAAAAAAA/AAAAAAAAAKCGAQAAAAAAAAAAAAAAAAAMAAAAAQAAAAAAAAAAAAAAAAAAAB8AAABUAAAAT4G9Bf///wEAAAAAAAAAAAAAAAAAAAAAAAAAAAAAAAAAAAAAAAAAAAAAAAJ/f38A7uzhA8zMzADAwP8Af39/AAAAAAAAAAAAAAAAAAAAAAAAAAAAIQAAABgAAAAUAAAA0AIAANgJAAA8NwAAsCUAABAAAAAmAAAACAAAAAEAAAAAAAAA"/>
               </a:ext>
             </a:extLst>
           </p:cNvSpPr>
@@ -5921,7 +5922,7 @@
             <a:picLocks noChangeAspect="1"/>
             <a:extLst>
               <a:ext uri="smNativeData">
-                <pr:smNativeData xmlns:pr="smNativeData" xmlns="smNativeData" val="SMDATA_17_iunWYhMAAAAlAAAAEQAAAC0AAAAAkAAAAEgAAACQAAAASAAAAAAAAAAAAAAAAAAAAAEAAABQAAAAAAAAAAAA4D8AAAAAAADgPwAAAAAAAOA/AAAAAAAA4D8AAAAAAADgPwAAAAAAAOA/AAAAAAAA4D8AAAAAAADgPwAAAAAAAOA/AAAAAAAA4D8CAAAAjAAAAAAAAAAAAAAAT4G9DP///wgAAAAAAAAAAAAAAAAAAAAAAAAAAAAAAAAAAAAAZAAAAAEAAABAAAAAAAAAAAAAAAAAAAAAAAAAAAAAAAAAAAAAAAAAAAAAAAAAAAAAAAAAAAAAAAAAAAAAAAAAAAAAAAAAAAAAAAAAAAAAAAAAAAAAAAAAAAAAAAAAAAAAFAAAADwAAAAAAAAAAAAAAAAAAAkUAAAAAQAAABQAAAAUAAAAFAAAAAEAAAAAAAAAZAAAAGQAAAAAAAAAZAAAAGQAAAAVAAAAYAAAAAAAAAAAAAAADwAAACADAAAAAAAAAAAAAAEAAACgMgAAVgcAAKr4//8BAAAAf39/AAEAAABkAAAAAAAAABQAAABAHwAAAAAAACYAAAAAAAAAwOD//wAAAAAmAAAAZAAAABYAAABMAAAAAAAAAAAAAAAEAAAAAAAAAAEAAADu7OEKAAAAACgAAAAoAAAAZAAAAGQAAAAAAAAAzMzMAAAAAABQAAAAUAAAAGQAAABkAAAAAAAAAAcAAAA4AAAAAAAAAAAAAAAAAAAA////AAAAAAAAAAAAAAAAAAAAAAAAAAAAAAAAAAAAAABkAAAAZAAAAAAAAAAjAAAABAAAAGQAAAAXAAAAFAAAAAAAAAAAAAAA/38AAP9/AAAAAAAACQAAAAQAAAAEGQAAHgAAAGgAAAAAAAAAAAAAAAAAAAAAAAAAAAAAABAnAAAQJwAAAAAAAAAAAAAAAAAAAAAAAAAAAAAAAAAAAAAAAAAAAAAUAAAAAAAAAMDA/wAAAAAAZAAAADIAAAAAAAAAZAAAAAAAAAB/f38ACgAAACIAAAAYAAAAAAAAAAAAAAAAAAAAAAAAAAAAAAAAAAAAJAAAACQAAAAAAAAABwAAAAAAAAAAAAAAAAAAAAAAAAAAAAAAAAAAAH9/fwAlAAAAWAAAAAAAAAAAAAAAAAAAAAAAAAAAAAAAAAAAAAAAAAAAAAAAAAAAAAAAAAAAAAAAPwAAAAAAAACghgEAAAAAAAAAAAAAAAAADAAAAAEAAAAAAAAAAAAAAAAAAAAfAAAAVAAAAE+BvQX///8BAAAAAAAAAAAAAAAAAAAAAAAAAAAAAAAAAAAAAAAAAAAAAAACf39/AO7s4QPMzMwAwMD/AH9/fwAAAAAAAAAAAAAAAAD///8AAAAAACEAAAAYAAAAFAAAAJQHAADaEQAAUAoAANIUAAAQAAAAJgAAAAgAAAD//////////w=="/>
+                <pr:smNativeData xmlns:pr="smNativeData" xmlns="smNativeData" val="SMDATA_17_0rbXYhMAAAAlAAAAEQAAAC0AAAAAkAAAAEgAAACQAAAASAAAAAAAAAAAAAAAAAAAAAEAAABQAAAAAAAAAAAA4D8AAAAAAADgPwAAAAAAAOA/AAAAAAAA4D8AAAAAAADgPwAAAAAAAOA/AAAAAAAA4D8AAAAAAADgPwAAAAAAAOA/AAAAAAAA4D8CAAAAjAAAAAAAAAAAAAAAT4G9DP///wgAAAAAAAAAAAAAAAAAAAAAAAAAAAAAAAAAAAAAZAAAAAEAAABAAAAAAAAAAAAAAAAAAAAAAAAAAAAAAAAAAAAAAAAAAAAAAAAAAAAAAAAAAAAAAAAAAAAAAAAAAAAAAAAAAAAAAAAAAAAAAAAAAAAAAAAAAAAAAAAAAAAAFAAAADwAAAAAAAAAAAAAAAAAAAkUAAAAAQAAABQAAAAUAAAAFAAAAAEAAAAAAAAAZAAAAGQAAAAAAAAAZAAAAGQAAAAVAAAAYAAAAAAAAAAAAAAADwAAACADAAAAAAAAAAAAAAEAAACgMgAAVgcAAKr4//8BAAAAf39/AAEAAABkAAAAAAAAABQAAABAHwAAAAAAACYAAAAAAAAAwOD//wAAAAAmAAAAZAAAABYAAABMAAAAAAAAAAAAAAAEAAAAAAAAAAEAAADu7OEKAAAAACgAAAAoAAAAZAAAAGQAAAAAAAAAzMzMAAAAAABQAAAAUAAAAGQAAABkAAAAAAAAAAcAAAA4AAAAAAAAAAAAAAAAAAAA////AAAAAAAAAAAAAAAAAAAAAAAAAAAAAAAAAAAAAABkAAAAZAAAAAAAAAAjAAAABAAAAGQAAAAXAAAAFAAAAAAAAAAAAAAA/38AAP9/AAAAAAAACQAAAAQAAAAEGQAAHgAAAGgAAAAAAAAAAAAAAAAAAAAAAAAAAAAAABAnAAAQJwAAAAAAAAAAAAAAAAAAAAAAAAAAAAAAAAAAAAAAAAAAAAAUAAAAAAAAAMDA/wAAAAAAZAAAADIAAAAAAAAAZAAAAAAAAAB/f38ACgAAACIAAAAYAAAAAAAAAAAAAAAAAAAAAAAAAAAAAAAAAAAAJAAAACQAAAAAAAAABwAAAAAAAAAAAAAAAAAAAAAAAAAAAAAAAAAAAH9/fwAlAAAAWAAAAAAAAAAAAAAAAAAAAAAAAAAAAAAAAAAAAAAAAAAAAAAAAAAAAAAAAAAAAAAAPwAAAAAAAACghgEAAAAAAAAAAAAAAAAADAAAAAEAAAAAAAAAAAAAAAAAAAAfAAAAVAAAAE+BvQX///8BAAAAAAAAAAAAAAAAAAAAAAAAAAAAAAAAAAAAAAAAAAAAAAACf39/AO7s4QPMzMwAwMD/AH9/fwAAAAAAAAAAAAAAAAD///8AAAAAACEAAAAYAAAAFAAAAJQHAADaEQAAUAoAANIUAAAQAAAAJgAAAAgAAAD//////////w=="/>
               </a:ext>
             </a:extLst>
           </p:cNvPicPr>
@@ -5955,7 +5956,7 @@
             <a:picLocks noChangeAspect="1"/>
             <a:extLst>
               <a:ext uri="smNativeData">
-                <pr:smNativeData xmlns:pr="smNativeData" xmlns="smNativeData" val="SMDATA_17_iunWYhMAAAAlAAAAEQAAAC0AAAAAkAAAAEgAAACQAAAASAAAAAAAAAAAAAAAAAAAAAEAAABQAAAAAAAAAAAA4D8AAAAAAADgPwAAAAAAAOA/AAAAAAAA4D8AAAAAAADgPwAAAAAAAOA/AAAAAAAA4D8AAAAAAADgPwAAAAAAAOA/AAAAAAAA4D8CAAAAjAAAAAAAAAAAAAAAT4G9DP///wgAAAAAAAAAAAAAAAAAAAAAAAAAAAAAAAAAAAAAZAAAAAEAAABAAAAAAAAAAAAAAAAAAAAAAAAAAAAAAAAAAAAAAAAAAAAAAAAAAAAAAAAAAAAAAAAAAAAAAAAAAAAAAAAAAAAAAAAAAAAAAAAAAAAAAAAAAAAAAAAAAAAAFAAAADwAAAAAAAAAAAAAAAAAAAkUAAAAAQAAABQAAAAUAAAAFAAAAAEAAAAAAAAAZAAAAGQAAAAAAAAAZAAAAGQAAAAVAAAAYAAAAAAAAAAAAAAADwAAACADAAAAAAAAAAAAAAEAAACgMgAAVgcAAKr4//8BAAAAf39/AAEAAABkAAAAAAAAABQAAABAHwAAAAAAACYAAAAAAAAAwOD//wAAAAAmAAAAZAAAABYAAABMAAAAAAAAAAAAAAAEAAAAAAAAAAEAAADu7OEKAAAAACgAAAAoAAAAZAAAAGQAAAAAAAAAzMzMAAAAAABQAAAAUAAAAGQAAABkAAAAAAAAAAcAAAA4AAAAAAAAAAAAAAAAAAAA////AAAAAAAAAAAAAAAAAAAAAAAAAAAAAAAAAAAAAABkAAAAZAAAAAAAAAAjAAAABAAAAGQAAAAXAAAAFAAAAAAAAAAAAAAA/38AAP9/AAAAAAAACQAAAAQAAAAAAQABHgAAAGgAAAAAAAAAAAAAAAAAAAAAAAAAAAAAABAnAAAQJwAAAAAAAAAAAAAAAAAAAAAAAAAAAAAAAAAAAAAAAAAAAAAUAAAAAAAAAMDA/wAAAAAAZAAAADIAAAAAAAAAZAAAAAAAAAB/f38ACgAAACIAAAAYAAAAAAAAAAAAAAAAAAAAAAAAAAAAAAAAAAAAJAAAACQAAAAAAAAABwAAAAAAAAAAAAAAAAAAAAAAAAAAAAAAAAAAAH9/fwAlAAAAWAAAAAAAAAAAAAAAAAAAAAAAAAAAAAAAAAAAAAAAAAAAAAAAAAAAAAAAAAAAAAAAPwAAAAAAAACghgEAAAAAAAAAAAAAAAAADAAAAAEAAAAAAAAAAAAAAAAAAAAfAAAAVAAAAE+BvQX///8BAAAAAAAAAAAAAAAAAAAAAAAAAAAAAAAAAAAAAAAAAAAAAAACf39/AO7s4QPMzMwAwMD/AH9/fwAAAAAAAAAAAAAAAAD///8AAAAAACEAAAAYAAAAFAAAAGwHAAB6FwAAUAoAANIZAAAQAAAAJgAAAAgAAAD//////////w=="/>
+                <pr:smNativeData xmlns:pr="smNativeData" xmlns="smNativeData" val="SMDATA_17_0rbXYhMAAAAlAAAAEQAAAC0AAAAAkAAAAEgAAACQAAAASAAAAAAAAAAAAAAAAAAAAAEAAABQAAAAAAAAAAAA4D8AAAAAAADgPwAAAAAAAOA/AAAAAAAA4D8AAAAAAADgPwAAAAAAAOA/AAAAAAAA4D8AAAAAAADgPwAAAAAAAOA/AAAAAAAA4D8CAAAAjAAAAAAAAAAAAAAAT4G9DP///wgAAAAAAAAAAAAAAAAAAAAAAAAAAAAAAAAAAAAAZAAAAAEAAABAAAAAAAAAAAAAAAAAAAAAAAAAAAAAAAAAAAAAAAAAAAAAAAAAAAAAAAAAAAAAAAAAAAAAAAAAAAAAAAAAAAAAAAAAAAAAAAAAAAAAAAAAAAAAAAAAAAAAFAAAADwAAAAAAAAAAAAAAAAAAAkUAAAAAQAAABQAAAAUAAAAFAAAAAEAAAAAAAAAZAAAAGQAAAAAAAAAZAAAAGQAAAAVAAAAYAAAAAAAAAAAAAAADwAAACADAAAAAAAAAAAAAAEAAACgMgAAVgcAAKr4//8BAAAAf39/AAEAAABkAAAAAAAAABQAAABAHwAAAAAAACYAAAAAAAAAwOD//wAAAAAmAAAAZAAAABYAAABMAAAAAAAAAAAAAAAEAAAAAAAAAAEAAADu7OEKAAAAACgAAAAoAAAAZAAAAGQAAAAAAAAAzMzMAAAAAABQAAAAUAAAAGQAAABkAAAAAAAAAAcAAAA4AAAAAAAAAAAAAAAAAAAA////AAAAAAAAAAAAAAAAAAAAAAAAAAAAAAAAAAAAAABkAAAAZAAAAAAAAAAjAAAABAAAAGQAAAAXAAAAFAAAAAAAAAAAAAAA/38AAP9/AAAAAAAACQAAAAQAAAAAAQABHgAAAGgAAAAAAAAAAAAAAAAAAAAAAAAAAAAAABAnAAAQJwAAAAAAAAAAAAAAAAAAAAAAAAAAAAAAAAAAAAAAAAAAAAAUAAAAAAAAAMDA/wAAAAAAZAAAADIAAAAAAAAAZAAAAAAAAAB/f38ACgAAACIAAAAYAAAAAAAAAAAAAAAAAAAAAAAAAAAAAAAAAAAAJAAAACQAAAAAAAAABwAAAAAAAAAAAAAAAAAAAAAAAAAAAAAAAAAAAH9/fwAlAAAAWAAAAAAAAAAAAAAAAAAAAAAAAAAAAAAAAAAAAAAAAAAAAAAAAAAAAAAAAAAAAAAAPwAAAAAAAACghgEAAAAAAAAAAAAAAAAADAAAAAEAAAAAAAAAAAAAAAAAAAAfAAAAVAAAAE+BvQX///8BAAAAAAAAAAAAAAAAAAAAAAAAAAAAAAAAAAAAAAAAAAAAAAACf39/AO7s4QPMzMwAwMD/AH9/fwAAAAAAAAAAAAAAAAD///8AAAAAACEAAAAYAAAAFAAAAGwHAAB6FwAAUAoAANIZAAAQAAAAJgAAAAgAAAD//////////w=="/>
               </a:ext>
             </a:extLst>
           </p:cNvPicPr>
@@ -5989,7 +5990,7 @@
             <a:picLocks noChangeAspect="1"/>
             <a:extLst>
               <a:ext uri="smNativeData">
-                <pr:smNativeData xmlns:pr="smNativeData" xmlns="smNativeData" val="SMDATA_17_iunWYhMAAAAlAAAAEQAAAC0AAAAAkAAAAEgAAACQAAAASAAAAAAAAAAAAAAAAAAAAAEAAABQAAAAAAAAAAAA4D8AAAAAAADgPwAAAAAAAOA/AAAAAAAA4D8AAAAAAADgPwAAAAAAAOA/AAAAAAAA4D8AAAAAAADgPwAAAAAAAOA/AAAAAAAA4D8CAAAAjAAAAAAAAAAAAAAAT4G9DP///wgAAAAAAAAAAAAAAAAAAAAAAAAAAAAAAAAAAAAAZAAAAAEAAABAAAAAAAAAAAAAAAAAAAAAAAAAAAAAAAAAAAAAAAAAAAAAAAAAAAAAAAAAAAAAAAAAAAAAAAAAAAAAAAAAAAAAAAAAAAAAAAAAAAAAAAAAAAAAAAAAAAAAFAAAADwAAAAAAAAAAAAAAAAAAAkUAAAAAQAAABQAAAAUAAAAFAAAAAEAAAAAAAAAZAAAAGQAAAAAAAAAZAAAAGQAAAAVAAAAYAAAAAAAAAAAAAAADwAAACADAAAAAAAAAAAAAAEAAACgMgAAVgcAAKr4//8BAAAAf39/AAEAAABkAAAAAAAAABQAAABAHwAAAAAAACYAAAAAAAAAwOD//wAAAAAmAAAAZAAAABYAAABMAAAAAAAAAAAAAAAEAAAAAAAAAAEAAADu7OEKAAAAACgAAAAoAAAAZAAAAGQAAAAAAAAAzMzMAAAAAABQAAAAUAAAAGQAAABkAAAAAAAAAAcAAAA4AAAAAAAAAAAAAAAAAAAA////AAAAAAAAAAAAAAAAAAAAAAAAAAAAAAAAAAAAAABkAAAAZAAAAAAAAAAjAAAABAAAAGQAAAAXAAAAFAAAAAAAAAAAAAAA/38AAP9/AAAAAAAACQAAAAQAAABpbGw9HgAAAGgAAAAAAAAAAAAAAAAAAAAAAAAAAAAAABAnAAAQJwAAAAAAAAAAAAAAAAAAAAAAAAAAAAAAAAAAAAAAAAAAAAAUAAAAAAAAAMDA/wAAAAAAZAAAADIAAAAAAAAAZAAAAAAAAAB/f38ACgAAACIAAAAYAAAAAAAAAAAAAAAAAAAAAAAAAAAAAAAAAAAAJAAAACQAAAAAAAAABwAAAAAAAAAAAAAAAAAAAAAAAAAAAAAAAAAAAH9/fwAlAAAAWAAAAAAAAAAAAAAAAAAAAAAAAAAAAAAAAAAAAAAAAAAAAAAAAAAAAAAAAAAAAAAAPwAAAAAAAACghgEAAAAAAAAAAAAAAAAADAAAAAEAAAAAAAAAAAAAAAAAAAAfAAAAVAAAAE+BvQX///8BAAAAAAAAAAAAAAAAAAAAAAAAAAAAAAAAAAAAAAAAAAAAAAACf39/AO7s4QPMzMwAwMD/AH9/fwAAAAAAAAAAAAAAAAD///8AAAAAACEAAAAYAAAAFAAAAIAHAADSFAAAKAoAACoXAAAQAAAAJgAAAAgAAAD//////////w=="/>
+                <pr:smNativeData xmlns:pr="smNativeData" xmlns="smNativeData" val="SMDATA_17_0rbXYhMAAAAlAAAAEQAAAC0AAAAAkAAAAEgAAACQAAAASAAAAAAAAAAAAAAAAAAAAAEAAABQAAAAAAAAAAAA4D8AAAAAAADgPwAAAAAAAOA/AAAAAAAA4D8AAAAAAADgPwAAAAAAAOA/AAAAAAAA4D8AAAAAAADgPwAAAAAAAOA/AAAAAAAA4D8CAAAAjAAAAAAAAAAAAAAAT4G9DP///wgAAAAAAAAAAAAAAAAAAAAAAAAAAAAAAAAAAAAAZAAAAAEAAABAAAAAAAAAAAAAAAAAAAAAAAAAAAAAAAAAAAAAAAAAAAAAAAAAAAAAAAAAAAAAAAAAAAAAAAAAAAAAAAAAAAAAAAAAAAAAAAAAAAAAAAAAAAAAAAAAAAAAFAAAADwAAAAAAAAAAAAAAAAAAAkUAAAAAQAAABQAAAAUAAAAFAAAAAEAAAAAAAAAZAAAAGQAAAAAAAAAZAAAAGQAAAAVAAAAYAAAAAAAAAAAAAAADwAAACADAAAAAAAAAAAAAAEAAACgMgAAVgcAAKr4//8BAAAAf39/AAEAAABkAAAAAAAAABQAAABAHwAAAAAAACYAAAAAAAAAwOD//wAAAAAmAAAAZAAAABYAAABMAAAAAAAAAAAAAAAEAAAAAAAAAAEAAADu7OEKAAAAACgAAAAoAAAAZAAAAGQAAAAAAAAAzMzMAAAAAABQAAAAUAAAAGQAAABkAAAAAAAAAAcAAAA4AAAAAAAAAAAAAAAAAAAA////AAAAAAAAAAAAAAAAAAAAAAAAAAAAAAAAAAAAAABkAAAAZAAAAAAAAAAjAAAABAAAAGQAAAAXAAAAFAAAAAAAAAAAAAAA/38AAP9/AAAAAAAACQAAAAQAAABpbGw9HgAAAGgAAAAAAAAAAAAAAAAAAAAAAAAAAAAAABAnAAAQJwAAAAAAAAAAAAAAAAAAAAAAAAAAAAAAAAAAAAAAAAAAAAAUAAAAAAAAAMDA/wAAAAAAZAAAADIAAAAAAAAAZAAAAAAAAAB/f38ACgAAACIAAAAYAAAAAAAAAAAAAAAAAAAAAAAAAAAAAAAAAAAAJAAAACQAAAAAAAAABwAAAAAAAAAAAAAAAAAAAAAAAAAAAAAAAAAAAH9/fwAlAAAAWAAAAAAAAAAAAAAAAAAAAAAAAAAAAAAAAAAAAAAAAAAAAAAAAAAAAAAAAAAAAAAAPwAAAAAAAACghgEAAAAAAAAAAAAAAAAADAAAAAEAAAAAAAAAAAAAAAAAAAAfAAAAVAAAAE+BvQX///8BAAAAAAAAAAAAAAAAAAAAAAAAAAAAAAAAAAAAAAAAAAAAAAACf39/AO7s4QPMzMwAwMD/AH9/fwAAAAAAAAAAAAAAAAD///8AAAAAACEAAAAYAAAAFAAAAIAHAADSFAAAKAoAACoXAAAQAAAAJgAAAAgAAAD//////////w=="/>
               </a:ext>
             </a:extLst>
           </p:cNvPicPr>
@@ -6023,7 +6024,7 @@
             <a:picLocks noChangeAspect="1"/>
             <a:extLst>
               <a:ext uri="smNativeData">
-                <pr:smNativeData xmlns:pr="smNativeData" xmlns="smNativeData" val="SMDATA_17_iunWYhMAAAAlAAAAEQAAAC0AAAAAkAAAAEgAAACQAAAASAAAAAAAAAAAAAAAAAAAAAEAAABQAAAAAAAAAAAA4D8AAAAAAADgPwAAAAAAAOA/AAAAAAAA4D8AAAAAAADgPwAAAAAAAOA/AAAAAAAA4D8AAAAAAADgPwAAAAAAAOA/AAAAAAAA4D8CAAAAjAAAAAAAAAAAAAAAT4G9DP///wgAAAAAAAAAAAAAAAAAAAAAAAAAAAAAAAAAAAAAZAAAAAEAAABAAAAAAAAAAAAAAAAAAAAAAAAAAAAAAAAAAAAAAAAAAAAAAAAAAAAAAAAAAAAAAAAAAAAAAAAAAAAAAAAAAAAAAAAAAAAAAAAAAAAAAAAAAAAAAAAAAAAAFAAAADwAAAAAAAAAAAAAAAAAAAkUAAAAAQAAABQAAAAUAAAAFAAAAAEAAAAAAAAAZAAAAGQAAAAAAAAAZAAAAGQAAAAVAAAAYAAAAAAAAAAAAAAADwAAACADAAAAAAAAAAAAAAEAAACgMgAAVgcAAKr4//8BAAAAf39/AAEAAABkAAAAAAAAABQAAABAHwAAAAAAACYAAAAAAAAAwOD//wAAAAAmAAAAZAAAABYAAABMAAAAAAAAAAAAAAAEAAAAAAAAAAEAAADu7OEKAAAAACgAAAAoAAAAZAAAAGQAAAAAAAAAzMzMAAAAAABQAAAAUAAAAGQAAABkAAAAAAAAAAcAAAA4AAAAAAAAAAAAAAAAAAAA////AAAAAAAAAAAAAAAAAAAAAAAAAAAAAAAAAAAAAABkAAAAZAAAAAAAAAAjAAAABAAAAGQAAAAXAAAAFAAAAAAAAAAAAAAA/38AAP9/AAAAAAAACQAAAAQAAABBQUFBHgAAAGgAAAAAAAAAAAAAAAAAAAAAAAAAAAAAABAnAAAQJwAAAAAAAAAAAAAAAAAAAAAAAAAAAAAAAAAAAAAAAAAAAAAUAAAAAAAAAMDA/wAAAAAAZAAAADIAAAAAAAAAZAAAAAAAAAB/f38ACgAAACIAAAAYAAAAAAAAAAAAAAAAAAAAAAAAAAAAAAAAAAAAJAAAACQAAAAAAAAABwAAAAAAAAAAAAAAAAAAAAAAAAAAAAAAAAAAAH9/fwAlAAAAWAAAAAAAAAAAAAAAAAAAAAAAAAAAAAAAAAAAAAAAAAAAAAAAAAAAAAAAAAAAAAAAPwAAAAAAAACghgEAAAAAAAAAAAAAAAAADAAAAAEAAAAAAAAAAAAAAAAAAAAfAAAAVAAAAE+BvQX///8BAAAAAAAAAAAAAAAAAAAAAAAAAAAAAAAAAAAAAAAAAAAAAAACf39/AO7s4QPMzMwAwMD/AH9/fwAAAAAAAAAAAAAAAAD///8AAAAAACEAAAAYAAAAFAAAADwFAAB6FwAA0AcAAOYZAAAQAAAAJgAAAAgAAAD//////////w=="/>
+                <pr:smNativeData xmlns:pr="smNativeData" xmlns="smNativeData" val="SMDATA_17_0rbXYhMAAAAlAAAAEQAAAC0AAAAAkAAAAEgAAACQAAAASAAAAAAAAAAAAAAAAAAAAAEAAABQAAAAAAAAAAAA4D8AAAAAAADgPwAAAAAAAOA/AAAAAAAA4D8AAAAAAADgPwAAAAAAAOA/AAAAAAAA4D8AAAAAAADgPwAAAAAAAOA/AAAAAAAA4D8CAAAAjAAAAAAAAAAAAAAAT4G9DP///wgAAAAAAAAAAAAAAAAAAAAAAAAAAAAAAAAAAAAAZAAAAAEAAABAAAAAAAAAAAAAAAAAAAAAAAAAAAAAAAAAAAAAAAAAAAAAAAAAAAAAAAAAAAAAAAAAAAAAAAAAAAAAAAAAAAAAAAAAAAAAAAAAAAAAAAAAAAAAAAAAAAAAFAAAADwAAAAAAAAAAAAAAAAAAAkUAAAAAQAAABQAAAAUAAAAFAAAAAEAAAAAAAAAZAAAAGQAAAAAAAAAZAAAAGQAAAAVAAAAYAAAAAAAAAAAAAAADwAAACADAAAAAAAAAAAAAAEAAACgMgAAVgcAAKr4//8BAAAAf39/AAEAAABkAAAAAAAAABQAAABAHwAAAAAAACYAAAAAAAAAwOD//wAAAAAmAAAAZAAAABYAAABMAAAAAAAAAAAAAAAEAAAAAAAAAAEAAADu7OEKAAAAACgAAAAoAAAAZAAAAGQAAAAAAAAAzMzMAAAAAABQAAAAUAAAAGQAAABkAAAAAAAAAAcAAAA4AAAAAAAAAAAAAAAAAAAA////AAAAAAAAAAAAAAAAAAAAAAAAAAAAAAAAAAAAAABkAAAAZAAAAAAAAAAjAAAABAAAAGQAAAAXAAAAFAAAAAAAAAAAAAAA/38AAP9/AAAAAAAACQAAAAQAAABBQUFBHgAAAGgAAAAAAAAAAAAAAAAAAAAAAAAAAAAAABAnAAAQJwAAAAAAAAAAAAAAAAAAAAAAAAAAAAAAAAAAAAAAAAAAAAAUAAAAAAAAAMDA/wAAAAAAZAAAADIAAAAAAAAAZAAAAAAAAAB/f38ACgAAACIAAAAYAAAAAAAAAAAAAAAAAAAAAAAAAAAAAAAAAAAAJAAAACQAAAAAAAAABwAAAAAAAAAAAAAAAAAAAAAAAAAAAAAAAAAAAH9/fwAlAAAAWAAAAAAAAAAAAAAAAAAAAAAAAAAAAAAAAAAAAAAAAAAAAAAAAAAAAAAAAAAAAAAAPwAAAAAAAACghgEAAAAAAAAAAAAAAAAADAAAAAEAAAAAAAAAAAAAAAAAAAAfAAAAVAAAAE+BvQX///8BAAAAAAAAAAAAAAAAAAAAAAAAAAAAAAAAAAAAAAAAAAAAAAACf39/AO7s4QPMzMwAwMD/AH9/fwAAAAAAAAAAAAAAAAD///8AAAAAACEAAAAYAAAAFAAAADwFAAB6FwAA0AcAAOYZAAAQAAAAJgAAAAgAAAD//////////w=="/>
               </a:ext>
             </a:extLst>
           </p:cNvPicPr>
@@ -6089,7 +6090,7 @@
             <a:spLocks noGrp="1" noChangeArrowheads="1"/>
             <a:extLst>
               <a:ext uri="smNativeData">
-                <pr:smNativeData xmlns:pr="smNativeData" xmlns="smNativeData" val="SMDATA_15_iunWYhMAAAAlAAAAZAAAAA0AAAAAkAAAAEgAAACQAAAASAAAAAAAAAABAAAAAAAAAAEAAABQAAAAAAAAAAAA4D8AAAAAAADgPwAAAAAAAOA/AAAAAAAA4D8AAAAAAADgPwAAAAAAAOA/AAAAAAAA4D8AAAAAAADgPwAAAAAAAOA/AAAAAAAA4D8CAAAAjAAAAAAAAAAAAAAAT4G9DP///wgAAAAAAAAAAAAAAAAAAAAAAAAAAAAAAAAAAAAAZAAAAAEAAABAAAAAAAAAAAAAAAAAAAAAAAAAAAAAAAAAAAAAAAAAAAAAAAAAAAAAAAAAAAAAAAAAAAAAAAAAAAAAAAAAAAAAAAAAAAAAAAAAAAAAAAAAAAAAAAAAAAAAFAAAADwAAAAAAAAAAAAAAAAAAAkUAAAAAQAAABQAAAAUAAAAFAAAAAEAAAAAAAAAZAAAAGQAAAAAAAAAZAAAAGQAAAAVAAAAYAAAAAAAAAAAAAAADwAAACADAAAAAAAAAAAAAAEAAACgMgAAVgcAAKr4//8BAAAAf39/AAEAAABkAAAAAAAAABQAAABAHwAAAAAAACYAAAAAAAAAwOD//wAAAAAmAAAAZAAAABYAAABMAAAAAAAAAAAAAAAEAAAAAAAAAAEAAADu7OEKAAAAACgAAAAoAAAAZAAAAGQAAAAAAAAAzMzMAAAAAABQAAAAUAAAAGQAAABkAAAAAAAAABcAAAAUAAAAAAAAAAAAAAD/fwAA/38AAAAAAAAJAAAABAAAAAAAAAAeAAAAaAAAAAAAAAAAAAAAAAAAAAAAAAAAAAAAECcAABAnAAAAAAAAAAAAAAAAAAAAAAAAAAAAAAAAAAAAAAAAAAAAABQAAAAAAAAAwMD/AAAAAABkAAAAMgAAAAAAAABkAAAAAAAAAH9/fwAKAAAAIgAAABgAAAAAAAAAAAAAAAAAAAAAAAAAAAAAAAAAAAAkAAAAJAAAAAAAAAAHAAAAAAAAAAAAAAAAAAAAAAAAAAAAAAAAAAAAf39/ACUAAABYAAAAAAAAAAAAAAAAAAAAAAAAAAAAAAAAAAAAAAAAAAAAAAAAAAAAAAAAAAAAAAA/AAAAAAAAAKCGAQAAAAAAAAAAAAAAAAAMAAAAAQAAAAAAAAAAAAAAAAAAAB8AAABUAAAAT4G9Bf///wEAAAAAAAAAAAAAAAAAAAAAAAAAAAAAAAAAAAAAAAAAAAAAAAJ/f38A7uzhA8zMzADAwP8Af39/AAAAAAAAAAAAAAAAAAAAAAAAAAAAIQAAABgAAAAUAAAA0AIAALEBAABwNQAAuQgAABAAAAAmAAAACAAAAAAAAAAAAAAA"/>
+                <pr:smNativeData xmlns:pr="smNativeData" xmlns="smNativeData" val="SMDATA_15_0rbXYhMAAAAlAAAAZAAAAA0AAAAAkAAAAEgAAACQAAAASAAAAAAAAAABAAAAAAAAAAEAAABQAAAAAAAAAAAA4D8AAAAAAADgPwAAAAAAAOA/AAAAAAAA4D8AAAAAAADgPwAAAAAAAOA/AAAAAAAA4D8AAAAAAADgPwAAAAAAAOA/AAAAAAAA4D8CAAAAjAAAAAAAAAAAAAAAT4G9DP///wgAAAAAAAAAAAAAAAAAAAAAAAAAAAAAAAAAAAAAZAAAAAEAAABAAAAAAAAAAAAAAAAAAAAAAAAAAAAAAAAAAAAAAAAAAAAAAAAAAAAAAAAAAAAAAAAAAAAAAAAAAAAAAAAAAAAAAAAAAAAAAAAAAAAAAAAAAAAAAAAAAAAAFAAAADwAAAAAAAAAAAAAAAAAAAkUAAAAAQAAABQAAAAUAAAAFAAAAAEAAAAAAAAAZAAAAGQAAAAAAAAAZAAAAGQAAAAVAAAAYAAAAAAAAAAAAAAADwAAACADAAAAAAAAAAAAAAEAAACgMgAAVgcAAKr4//8BAAAAf39/AAEAAABkAAAAAAAAABQAAABAHwAAAAAAACYAAAAAAAAAwOD//wAAAAAmAAAAZAAAABYAAABMAAAAAAAAAAAAAAAEAAAAAAAAAAEAAADu7OEKAAAAACgAAAAoAAAAZAAAAGQAAAAAAAAAzMzMAAAAAABQAAAAUAAAAGQAAABkAAAAAAAAABcAAAAUAAAAAAAAAAAAAAD/fwAA/38AAAAAAAAJAAAABAAAAAAAAAAeAAAAaAAAAAAAAAAAAAAAAAAAAAAAAAAAAAAAECcAABAnAAAAAAAAAAAAAAAAAAAAAAAAAAAAAAAAAAAAAAAAAAAAABQAAAAAAAAAwMD/AAAAAABkAAAAMgAAAAAAAABkAAAAAAAAAH9/fwAKAAAAIgAAABgAAAAAAAAAAAAAAAAAAAAAAAAAAAAAAAAAAAAkAAAAJAAAAAAAAAAHAAAAAAAAAAAAAAAAAAAAAAAAAAAAAAAAAAAAf39/ACUAAABYAAAAAAAAAAAAAAAAAAAAAAAAAAAAAAAAAAAAAAAAAAAAAAAAAAAAAAAAAAAAAAA/AAAAAAAAAKCGAQAAAAAAAAAAAAAAAAAMAAAAAQAAAAAAAAAAAAAAAAAAAB8AAABUAAAAT4G9Bf///wEAAAAAAAAAAAAAAAAAAAAAAAAAAAAAAAAAAAAAAAAAAAAAAAJ/f38A7uzhA8zMzADAwP8Af39/AAAAAAAAAAAAAAAAAAAAAAAAAAAAIQAAABgAAAAUAAAA0AIAALEBAABwNQAAuQgAABAAAAAmAAAACAAAAAAAAAAAAAAA"/>
               </a:ext>
             </a:extLst>
           </p:cNvSpPr>
@@ -6118,7 +6119,7 @@
             <a:spLocks noGrp="1" noChangeArrowheads="1"/>
             <a:extLst>
               <a:ext uri="smNativeData">
-                <pr:smNativeData xmlns:pr="smNativeData" xmlns="smNativeData" val="SMDATA_15_iunWYhMAAAAlAAAAZAAAAA0AAAAAkAAAAEgAAACQAAAASAAAAAAAAAAAAAAAAAAAAAEAAABQAAAAAAAAAAAA4D8AAAAAAADgPwAAAAAAAOA/AAAAAAAA4D8AAAAAAADgPwAAAAAAAOA/AAAAAAAA4D8AAAAAAADgPwAAAAAAAOA/AAAAAAAA4D8CAAAAjAAAAAAAAAAAAAAAT4G9DP///wgAAAAAAAAAAAAAAAAAAAAAAAAAAAAAAAAAAAAAZAAAAAEAAABAAAAAAAAAAAAAAAAAAAAAAAAAAAAAAAAAAAAAAAAAAAAAAAAAAAAAAAAAAAAAAAAAAAAAAAAAAAAAAAAAAAAAAAAAAAAAAAAAAAAAAAAAAAAAAAAAAAAAFAAAADwAAAAAAAAAAAAAAAAAAAkUAAAAAQAAABQAAAAUAAAAFAAAAAEAAAAAAAAAZAAAAGQAAAAAAAAAZAAAAGQAAAAVAAAAYAAAAAAAAAAAAAAADwAAACADAAAAAAAAAAAAAAEAAACgMgAAVgcAAKr4//8BAAAAf39/AAEAAABkAAAAAAAAABQAAABAHwAAAAAAACYAAAAAAAAAwOD//wAAAAAmAAAAZAAAABYAAABMAAAAAAAAAAAAAAAEAAAAAAAAAAEAAADu7OEKAAAAACgAAAAoAAAAZAAAAGQAAAAAAAAAzMzMAAAAAABQAAAAUAAAAGQAAABkAAAAAAAAABcAAAAUAAAAAAAAAAAAAAD/fwAA/38AAAAAAAAJAAAABAAAABYFAP8eAAAAaAAAAAAAAAAAAAAAAAAAAAAAAAAAAAAAECcAABAnAAAAAAAAAAAAAAAAAAAAAAAAAAAAAAAAAAAAAAAAAAAAABQAAAAAAAAAwMD/AAAAAABkAAAAMgAAAAAAAABkAAAAAAAAAH9/fwAKAAAAIgAAABgAAAAAAAAAAAAAAAAAAAAAAAAAAAAAAAAAAAAkAAAAJAAAAAAAAAAHAAAAAAAAAAAAAAAAAAAAAAAAAAAAAAAAAAAAf39/ACUAAABYAAAAAAAAAAAAAAAAAAAAAAAAAAAAAAAAAAAAAAAAAAAAAAAAAAAAAAAAAAAAAAA/AAAAAAAAAKCGAQAAAAAAAAAAAAAAAAAMAAAAAQAAAAAAAAAAAAAAAAAAAB8AAABUAAAAT4G9Bf///wEAAAAAAAAAAAAAAAAAAAAAAAAAAAAAAAAAAAAAAAAAAAAAAAJ/f38A7uzhA8zMzADAwP8Af39/AAAAAAAAAAAAAAAAAAAAAAAAAAAAIQAAABgAAAAUAAAA0AIAANgJAABwNQAAsCUAABAAAAAmAAAACAAAAAAAAAAAAAAA"/>
+                <pr:smNativeData xmlns:pr="smNativeData" xmlns="smNativeData" val="SMDATA_15_0rbXYhMAAAAlAAAAZAAAAA0AAAAAkAAAAEgAAACQAAAASAAAAAAAAAAAAAAAAAAAAAEAAABQAAAAAAAAAAAA4D8AAAAAAADgPwAAAAAAAOA/AAAAAAAA4D8AAAAAAADgPwAAAAAAAOA/AAAAAAAA4D8AAAAAAADgPwAAAAAAAOA/AAAAAAAA4D8CAAAAjAAAAAAAAAAAAAAAT4G9DP///wgAAAAAAAAAAAAAAAAAAAAAAAAAAAAAAAAAAAAAZAAAAAEAAABAAAAAAAAAAAAAAAAAAAAAAAAAAAAAAAAAAAAAAAAAAAAAAAAAAAAAAAAAAAAAAAAAAAAAAAAAAAAAAAAAAAAAAAAAAAAAAAAAAAAAAAAAAAAAAAAAAAAAFAAAADwAAAAAAAAAAAAAAAAAAAkUAAAAAQAAABQAAAAUAAAAFAAAAAEAAAAAAAAAZAAAAGQAAAAAAAAAZAAAAGQAAAAVAAAAYAAAAAAAAAAAAAAADwAAACADAAAAAAAAAAAAAAEAAACgMgAAVgcAAKr4//8BAAAAf39/AAEAAABkAAAAAAAAABQAAABAHwAAAAAAACYAAAAAAAAAwOD//wAAAAAmAAAAZAAAABYAAABMAAAAAAAAAAAAAAAEAAAAAAAAAAEAAADu7OEKAAAAACgAAAAoAAAAZAAAAGQAAAAAAAAAzMzMAAAAAABQAAAAUAAAAGQAAABkAAAAAAAAABcAAAAUAAAAAAAAAAAAAAD/fwAA/38AAAAAAAAJAAAABAAAABYFAP8eAAAAaAAAAAAAAAAAAAAAAAAAAAAAAAAAAAAAECcAABAnAAAAAAAAAAAAAAAAAAAAAAAAAAAAAAAAAAAAAAAAAAAAABQAAAAAAAAAwMD/AAAAAABkAAAAMgAAAAAAAABkAAAAAAAAAH9/fwAKAAAAIgAAABgAAAAAAAAAAAAAAAAAAAAAAAAAAAAAAAAAAAAkAAAAJAAAAAAAAAAHAAAAAAAAAAAAAAAAAAAAAAAAAAAAAAAAAAAAf39/ACUAAABYAAAAAAAAAAAAAAAAAAAAAAAAAAAAAAAAAAAAAAAAAAAAAAAAAAAAAAAAAAAAAAA/AAAAAAAAAKCGAQAAAAAAAAAAAAAAAAAMAAAAAQAAAAAAAAAAAAAAAAAAAB8AAABUAAAAT4G9Bf///wEAAAAAAAAAAAAAAAAAAAAAAAAAAAAAAAAAAAAAAAAAAAAAAAJ/f38A7uzhA8zMzADAwP8Af39/AAAAAAAAAAAAAAAAAAAAAAAAAAAAIQAAABgAAAAUAAAA0AIAANgJAABwNQAAsCUAABAAAAAmAAAACAAAAAAAAAAAAAAA"/>
               </a:ext>
             </a:extLst>
           </p:cNvSpPr>
@@ -6219,7 +6220,7 @@
             <a:spLocks noGrp="1" noChangeArrowheads="1"/>
             <a:extLst>
               <a:ext uri="smNativeData">
-                <pr:smNativeData xmlns:pr="smNativeData" xmlns="smNativeData" val="SMDATA_15_iunWYhMAAAAlAAAAZAAAAA0AAAAAkAAAAEgAAACQAAAASAAAAAAAAAABAAAAAAAAAAEAAABQAAAAAAAAAAAA4D8AAAAAAADgPwAAAAAAAOA/AAAAAAAA4D8AAAAAAADgPwAAAAAAAOA/AAAAAAAA4D8AAAAAAADgPwAAAAAAAOA/AAAAAAAA4D8CAAAAjAAAAAAAAAAAAAAAT4G9DP///wgAAAAAAAAAAAAAAAAAAAAAAAAAAAAAAAAAAAAAZAAAAAEAAABAAAAAAAAAAAAAAAAAAAAAAAAAAAAAAAAAAAAAAAAAAAAAAAAAAAAAAAAAAAAAAAAAAAAAAAAAAAAAAAAAAAAAAAAAAAAAAAAAAAAAAAAAAAAAAAAAAAAAFAAAADwAAAAAAAAAAAAAAAAAAAkUAAAAAQAAABQAAAAUAAAAFAAAAAEAAAAAAAAAZAAAAGQAAAAAAAAAZAAAAGQAAAAVAAAAYAAAAAAAAAAAAAAADwAAACADAAAAAAAAAAAAAAEAAACgMgAAVgcAAKr4//8BAAAAf39/AAEAAABkAAAAAAAAABQAAABAHwAAAAAAACYAAAAAAAAAwOD//wAAAAAmAAAAZAAAABYAAABMAAAAAAAAAAAAAAAEAAAAAAAAAAEAAADu7OEKAAAAACgAAAAoAAAAZAAAAGQAAAAAAAAAzMzMAAAAAABQAAAAUAAAAGQAAABkAAAAAAAAABcAAAAUAAAAAAAAAAAAAAD/fwAA/38AAAAAAAAJAAAABAAAAAAAAAEeAAAAaAAAAAAAAAAAAAAAAAAAAAAAAAAAAAAAECcAABAnAAAAAAAAAAAAAAAAAAAAAAAAAAAAAAAAAAAAAAAAAAAAABQAAAAAAAAAwMD/AAAAAABkAAAAMgAAAAAAAABkAAAAAAAAAH9/fwAKAAAAIgAAABgAAAAAAAAAAAAAAAAAAAAAAAAAAAAAAAAAAAAkAAAAJAAAAAAAAAAHAAAAAAAAAAAAAAAAAAAAAAAAAAAAAAAAAAAAf39/ACUAAABYAAAAAAAAAAAAAAAAAAAAAAAAAAAAAAAAAAAAAAAAAAAAAAAAAAAAAAAAAAAAAAA/AAAAAAAAAKCGAQAAAAAAAAAAAAAAAAAMAAAAAQAAAAAAAAAAAAAAAAAAAB8AAABUAAAAT4G9Bf///wEAAAAAAAAAAAAAAAAAAAAAAAAAAAAAAAAAAAAAAAAAAAAAAAJ/f38A7uzhA8zMzADAwP8Af39/AAAAAAAAAAAAAAAAAAAAAAAAAAAAIQAAABgAAAAUAAAA0AIAALEBAABwNQAAuQgAABAAAAAmAAAACAAAAAAAAAAAAAAA"/>
+                <pr:smNativeData xmlns:pr="smNativeData" xmlns="smNativeData" val="SMDATA_15_0rbXYhMAAAAlAAAAZAAAAA0AAAAAkAAAAEgAAACQAAAASAAAAAAAAAABAAAAAAAAAAEAAABQAAAAAAAAAAAA4D8AAAAAAADgPwAAAAAAAOA/AAAAAAAA4D8AAAAAAADgPwAAAAAAAOA/AAAAAAAA4D8AAAAAAADgPwAAAAAAAOA/AAAAAAAA4D8CAAAAjAAAAAAAAAAAAAAAT4G9DP///wgAAAAAAAAAAAAAAAAAAAAAAAAAAAAAAAAAAAAAZAAAAAEAAABAAAAAAAAAAAAAAAAAAAAAAAAAAAAAAAAAAAAAAAAAAAAAAAAAAAAAAAAAAAAAAAAAAAAAAAAAAAAAAAAAAAAAAAAAAAAAAAAAAAAAAAAAAAAAAAAAAAAAFAAAADwAAAAAAAAAAAAAAAAAAAkUAAAAAQAAABQAAAAUAAAAFAAAAAEAAAAAAAAAZAAAAGQAAAAAAAAAZAAAAGQAAAAVAAAAYAAAAAAAAAAAAAAADwAAACADAAAAAAAAAAAAAAEAAACgMgAAVgcAAKr4//8BAAAAf39/AAEAAABkAAAAAAAAABQAAABAHwAAAAAAACYAAAAAAAAAwOD//wAAAAAmAAAAZAAAABYAAABMAAAAAAAAAAAAAAAEAAAAAAAAAAEAAADu7OEKAAAAACgAAAAoAAAAZAAAAGQAAAAAAAAAzMzMAAAAAABQAAAAUAAAAGQAAABkAAAAAAAAABcAAAAUAAAAAAAAAAAAAAD/fwAA/38AAAAAAAAJAAAABAAAAAAAAAEeAAAAaAAAAAAAAAAAAAAAAAAAAAAAAAAAAAAAECcAABAnAAAAAAAAAAAAAAAAAAAAAAAAAAAAAAAAAAAAAAAAAAAAABQAAAAAAAAAwMD/AAAAAABkAAAAMgAAAAAAAABkAAAAAAAAAH9/fwAKAAAAIgAAABgAAAAAAAAAAAAAAAAAAAAAAAAAAAAAAAAAAAAkAAAAJAAAAAAAAAAHAAAAAAAAAAAAAAAAAAAAAAAAAAAAAAAAAAAAf39/ACUAAABYAAAAAAAAAAAAAAAAAAAAAAAAAAAAAAAAAAAAAAAAAAAAAAAAAAAAAAAAAAAAAAA/AAAAAAAAAKCGAQAAAAAAAAAAAAAAAAAMAAAAAQAAAAAAAAAAAAAAAAAAAB8AAABUAAAAT4G9Bf///wEAAAAAAAAAAAAAAAAAAAAAAAAAAAAAAAAAAAAAAAAAAAAAAAJ/f38A7uzhA8zMzADAwP8Af39/AAAAAAAAAAAAAAAAAAAAAAAAAAAAIQAAABgAAAAUAAAA0AIAALEBAABwNQAAuQgAAAAAAAAmAAAACAAAAAEAAAAAAAAA"/>
               </a:ext>
             </a:extLst>
           </p:cNvSpPr>
@@ -6227,7 +6228,12 @@
             <p:ph type="title"/>
           </p:nvPr>
         </p:nvSpPr>
-        <p:spPr/>
+        <p:spPr>
+          <a:xfrm>
+            <a:off x="457200" y="274955"/>
+            <a:ext cx="8229600" cy="1143000"/>
+          </a:xfrm>
+        </p:spPr>
         <p:txBody>
           <a:bodyPr/>
           <a:lstStyle/>
@@ -6236,7 +6242,7 @@
               <a:defRPr lang="fr-fr"/>
             </a:pPr>
             <a:r>
-              <a:t>Let’s explore the variable types</a:t>
+              <a:t>A little practical exercise</a:t>
             </a:r>
           </a:p>
         </p:txBody>
@@ -6245,9 +6251,53 @@
         <p:nvSpPr>
           <p:cNvPr id="3" name="TexteDiapositive1"/>
           <p:cNvSpPr>
-            <a:extLst>
-              <a:ext uri="smNativeData">
-                <pr:smNativeData xmlns:pr="smNativeData" xmlns="smNativeData" val="SMDATA_15_iunWYhMAAAAlAAAAZAAAAA0AAAAAkAAAAEgAAACQAAAASAAAAAAAAAAAAAAAAAAAAAEAAABQAAAAAAAAAAAA4D8AAAAAAADgPwAAAAAAAOA/AAAAAAAA4D8AAAAAAADgPwAAAAAAAOA/AAAAAAAA4D8AAAAAAADgPwAAAAAAAOA/AAAAAAAA4D8CAAAAjAAAAAAAAAAAAAAAT4G9DP///wgAAAAAAAAAAAAAAAAAAAAAAAAAAAAAAAAAAAAAZAAAAAEAAABAAAAAAAAAAAAAAAAAAAAAAAAAAAAAAAAAAAAAAAAAAAAAAAAAAAAAAAAAAAAAAAAAAAAAAAAAAAAAAAAAAAAAAAAAAAAAAAAAAAAAAAAAAAAAAAAAAAAAFAAAADwAAAAAAAAAAAAAAAAAAAkUAAAAAQAAABQAAAAUAAAAFAAAAAEAAAAAAAAAZAAAAGQAAAAAAAAAZAAAAGQAAAAVAAAAYAAAAAAAAAAAAAAADwAAACADAAAAAAAAAAAAAAEAAACgMgAAVgcAAKr4//8BAAAAf39/AAEAAABkAAAAAAAAABQAAABAHwAAAAAAACYAAAAAAAAAwOD//wAAAAAmAAAAZAAAABYAAABMAAAAAAAAAAAAAAAEAAAAAAAAAAEAAADu7OEKAAAAACgAAAAoAAAAZAAAAGQAAAAAAAAAzMzMAAAAAABQAAAAUAAAAGQAAABkAAAAAAAAABcAAAAUAAAAAAAAAAAAAAD/fwAA/38AAAAAAAAJAAAABAAAAAAAAAEeAAAAaAAAAAAAAAAAAAAAAAAAAAAAAAAAAAAAECcAABAnAAAAAAAAAAAAAAAAAAAAAAAAAAAAAAAAAAAAAAAAAAAAABQAAAAAAAAAwMD/AAAAAABkAAAAMgAAAAAAAABkAAAAAAAAAH9/fwAKAAAAIgAAABgAAAAAAAAAAAAAAAAAAAAAAAAAAAAAAAAAAAAkAAAAJAAAAAAAAAAHAAAAAAAAAAAAAAAAAAAAAAAAAAAAAAAAAAAAf39/ACUAAABYAAAAAAAAAAAAAAAAAAAAAAAAAAAAAAAAAAAAAAAAAAAAAAAAAAAAAAAAAAAAAAA/AAAAAAAAAKCGAQAAAAAAAAAAAAAAAAAMAAAAAQAAAAAAAAAAAAAAAAAAAB8AAABUAAAAT4G9Bf///wEAAAAAAAAAAAAAAAAAAAAAAAAAAAAAAAAAAAAAAAAAAAAAAAJ/f38A7uzhA8zMzADAwP8Af39/AAAAAAAAAAAAAAAAAAAAAAAAAAAAIQAAABgAAAAUAAAA0AIAANgJAABwNQAA2iAAABAAAAAmAAAACAAAAP//////////"/>
+            <a:spLocks noGrp="1" noChangeArrowheads="1"/>
+            <a:extLst>
+              <a:ext uri="smNativeData">
+                <pr:smNativeData xmlns:pr="smNativeData" xmlns="smNativeData" val="SMDATA_15_0rbXYhMAAAAlAAAAZAAAAA0AAAAAkAAAAEgAAACQAAAASAAAAAAAAAAAAAAAAAAAAAEAAABQAAAAAAAAAAAA4D8AAAAAAADgPwAAAAAAAOA/AAAAAAAA4D8AAAAAAADgPwAAAAAAAOA/AAAAAAAA4D8AAAAAAADgPwAAAAAAAOA/AAAAAAAA4D8CAAAAjAAAAAAAAAAAAAAAT4G9DP///wgAAAAAAAAAAAAAAAAAAAAAAAAAAAAAAAAAAAAAZAAAAAEAAABAAAAAAAAAAAAAAAAAAAAAAAAAAAAAAAAAAAAAAAAAAAAAAAAAAAAAAAAAAAAAAAAAAAAAAAAAAAAAAAAAAAAAAAAAAAAAAAAAAAAAAAAAAAAAAAAAAAAAFAAAADwAAAAAAAAAAAAAAAAAAAkUAAAAAQAAABQAAAAUAAAAFAAAAAEAAAAAAAAAZAAAAGQAAAAAAAAAZAAAAGQAAAAVAAAAYAAAAAAAAAAAAAAADwAAACADAAAAAAAAAAAAAAEAAACgMgAAVgcAAKr4//8BAAAAf39/AAEAAABkAAAAAAAAABQAAABAHwAAAAAAACYAAAAAAAAAwOD//wAAAAAmAAAAZAAAABYAAABMAAAAAAAAAAAAAAAEAAAAAAAAAAEAAADu7OEKAAAAACgAAAAoAAAAZAAAAGQAAAAAAAAAzMzMAAAAAABQAAAAUAAAAGQAAABkAAAAAAAAABcAAAAUAAAAAAAAAAAAAAD/fwAA/38AAAAAAAAJAAAABAAAAD7o2aweAAAAaAAAAAAAAAAAAAAAAAAAAAAAAAAAAAAAECcAABAnAAAAAAAAAAAAAAAAAAAAAAAAAAAAAAAAAAAAAAAAAAAAABQAAAAAAAAAwMD/AAAAAABkAAAAMgAAAAAAAABkAAAAAAAAAH9/fwAKAAAAIgAAABgAAAAAAAAAAAAAAAAAAAAAAAAAAAAAAAAAAAAkAAAAJAAAAAAAAAAHAAAAAAAAAAAAAAAAAAAAAAAAAAAAAAAAAAAAf39/ACUAAABYAAAAAAAAAAAAAAAAAAAAAAAAAAAAAAAAAAAAAAAAAAAAAAAAAAAAAAAAAAAAAAA/AAAAAAAAAKCGAQAAAAAAAAAAAAAAAAAMAAAAAQAAAAAAAAAAAAAAAAAAAB8AAABUAAAAT4G9Bf///wEAAAAAAAAAAAAAAAAAAAAAAAAAAAAAAAAAAAAAAAAAAAAAAAJ/f38A7uzhA8zMzADAwP8Af39/AAAAAAAAAAAAAAAAAAAAAAAAAAAAIQAAABgAAAAUAAAA0AIAANgJAABwNQAA6Q4AAAAAAAAmAAAACAAAAAEAAAAAAAAA"/>
+              </a:ext>
+            </a:extLst>
+          </p:cNvSpPr>
+          <p:nvPr>
+            <p:ph type="body" idx="1"/>
+          </p:nvPr>
+        </p:nvSpPr>
+        <p:spPr>
+          <a:xfrm>
+            <a:off x="457200" y="1600200"/>
+            <a:ext cx="8229600" cy="823595"/>
+          </a:xfrm>
+        </p:spPr>
+        <p:txBody>
+          <a:bodyPr/>
+          <a:lstStyle/>
+          <a:p>
+            <a:pPr marL="0" indent="0">
+              <a:buNone/>
+              <a:defRPr lang="fr-fr" i="1" cap="none"/>
+            </a:pPr>
+            <a:r>
+              <a:t>Start revbayes</a:t>
+            </a:r>
+          </a:p>
+          <a:p>
+            <a:pPr marL="0" indent="0">
+              <a:buNone/>
+              <a:defRPr lang="fr-fr"/>
+            </a:pPr>
+            <a:r>
+              <a:t>In the terminal :</a:t>
+            </a:r>
+          </a:p>
+        </p:txBody>
+      </p:sp>
+      <p:sp>
+        <p:nvSpPr>
+          <p:cNvPr id="4" name="CadreTexte1"/>
+          <p:cNvSpPr txBox="1">
+            <a:extLst>
+              <a:ext uri="smNativeData">
+                <pr:smNativeData xmlns:pr="smNativeData" xmlns="smNativeData" val="SMDATA_15_0rbXYhMAAAAlAAAAEgAAAE8BAAAAkAAAAEgAAACQAAAASAAAAAAAAAAAAAAAAAAAAAEAAABQAAAAAAAAAAAA4D8AAAAAAADgPwAAAAAAAOA/AAAAAAAA4D8AAAAAAADgPwAAAAAAAOA/AAAAAAAA4D8AAAAAAADgPwAAAAAAAOA/AAAAAAAA4D8CAAAAjAAAAAAAAAAAAAAAT4G9DP///wgAAAAAAAAAAAAAAAAAAAAAAAAAAAAAAAAAAAAAZAAAAAEAAABAAAAAAAAAAAAAAAAAAAAAAAAAAAAAAAAAAAAAAAAAAAAAAAAAAAAAAAAAAAAAAAAAAAAAAAAAAAAAAAAAAAAAAAAAAAAAAAAAAAAAAAAAAAAAAAAAAAAAFAAAADwAAAAAAAAAAAAAAAAAAAkUAAAAAQAAABQAAAAUAAAAFAAAAAEAAAAAAAAAZAAAAGQAAAAAAAAAZAAAAGQAAAAVAAAAYAAAAAAAAAAAAAAADwAAACADAAAAAAAAAAAAAAEAAACgMgAAVgcAAKr4//8BAAAAf39/AAEAAABkAAAAAAAAABQAAABAHwAAAAAAACYAAAAAAAAAwOD//wAAAAAmAAAAZAAAABYAAABMAAAAAAAAAAAAAAAEAAAAAAAAAAEAAADu7OEKAAAAACgAAAAoAAAAZAAAAGQAAAAAAAAAzMzMAAAAAABQAAAAUAAAAGQAAABkAAAAAAAAABcAAAAUAAAAAAAAANgNAAD/fwAA/38AAAAAAAAJAAAABAAAAAAAAAAeAAAAaAAAAAAAAAAAAAAAAAAAAAAAAAAAAAAAECcAABAnAAAAAAAAAAAAAAAAAAAAAAAAAAAAAAAAAAAAAAAAAAAAABQAAAAAAAAAwMD/AAAAAABkAAAAMgAAAAAAAABkAAAAAAAAAH9/fwAKAAAAIgAAABgAAAAAAAAAAAAAAAAAAAAAAAAAAAAAAAAAAAAkAAAAJAAAAAAAAAAHAAAAAAAAAAAAAAAAAAAAAAAAAAAAAAAAAAAAf39/ACUAAABYAAAAAAAAAAAAAAAAAAAAAAAAAAAAAAAAAAAAAAAAAAAAAAAAAAAAAAAAAAAAAAA/AAAAAAAAAKCGAQAAAAAAAAAAAAAAAAAMAAAAAQAAAAAAAAAAAAAAAAAAAB8AAABUAAAAT4G9Bf///wEAAAAAAAAAAAAAAAAAAAAAAAAAAAAAAAAAAAAAAAAAAAAAAAJ/f38A7uzhA8zMzADAwP8Af39/AAAAAAAAAAAAAAAAAAAAAAAAAAAAIQAAABgAAAAUAAAAxwIAAH4RAACANQAADhgAAAAgAAAmAAAACAAAAP//////////"/>
               </a:ext>
             </a:extLst>
           </p:cNvSpPr>
@@ -6255,8 +6305,8 @@
         </p:nvSpPr>
         <p:spPr>
           <a:xfrm>
-            <a:off x="457200" y="1600200"/>
-            <a:ext cx="8229600" cy="3740150"/>
+            <a:off x="451485" y="2843530"/>
+            <a:ext cx="8245475" cy="1066800"/>
           </a:xfrm>
           <a:prstGeom prst="rect">
             <a:avLst/>
@@ -6268,166 +6318,18 @@
           <a:effectLst/>
         </p:spPr>
         <p:txBody>
-          <a:bodyPr vert="horz" wrap="square" lIns="91440" tIns="45720" rIns="91440" bIns="45720" numCol="1" spcCol="215900" anchor="t"/>
+          <a:bodyPr vert="horz" wrap="square" numCol="1" spcCol="215900" anchor="t"/>
           <a:lstStyle/>
           <a:p>
             <a:pPr>
-              <a:spcBef>
-                <a:spcPts val="575"/>
-              </a:spcBef>
-              <a:buNone/>
-              <a:defRPr lang="fr-fr" cap="none">
-                <a:latin typeface="Courier 10 Pitch" pitchFamily="1" charset="0"/>
-                <a:ea typeface="Courier 10 Pitch" pitchFamily="1" charset="0"/>
-                <a:cs typeface="Courier 10 Pitch" pitchFamily="1" charset="0"/>
-              </a:defRPr>
-            </a:pPr>
-            <a:r>
-              <a:t>a&lt;-1</a:t>
-            </a:r>
-          </a:p>
-          <a:p>
-            <a:pPr>
-              <a:spcBef>
-                <a:spcPts val="575"/>
-              </a:spcBef>
-              <a:buNone/>
-              <a:defRPr lang="fr-fr" cap="none">
-                <a:latin typeface="Courier 10 Pitch" pitchFamily="1" charset="0"/>
-                <a:ea typeface="Courier 10 Pitch" pitchFamily="1" charset="0"/>
-                <a:cs typeface="Courier 10 Pitch" pitchFamily="1" charset="0"/>
-              </a:defRPr>
-            </a:pPr>
-            <a:r>
-              <a:t>b&lt;-2</a:t>
-            </a:r>
-          </a:p>
-          <a:p>
-            <a:pPr>
-              <a:spcBef>
-                <a:spcPts val="575"/>
-              </a:spcBef>
-              <a:buNone/>
-              <a:defRPr lang="fr-fr" cap="none">
-                <a:latin typeface="Courier 10 Pitch" pitchFamily="1" charset="0"/>
-                <a:ea typeface="Courier 10 Pitch" pitchFamily="1" charset="0"/>
-                <a:cs typeface="Courier 10 Pitch" pitchFamily="1" charset="0"/>
-              </a:defRPr>
-            </a:pPr>
-            <a:r>
-              <a:t>x~dnNormal(mean=a,sd=b)</a:t>
-            </a:r>
-          </a:p>
-          <a:p>
-            <a:pPr>
-              <a:spcBef>
-                <a:spcPts val="575"/>
-              </a:spcBef>
-              <a:buNone/>
-              <a:defRPr lang="fr-fr" cap="none">
-                <a:latin typeface="Courier 10 Pitch" pitchFamily="1" charset="0"/>
-                <a:ea typeface="Courier 10 Pitch" pitchFamily="1" charset="0"/>
-                <a:cs typeface="Courier 10 Pitch" pitchFamily="1" charset="0"/>
-              </a:defRPr>
-            </a:pPr>
-            <a:r>
-              <a:t>print(x)</a:t>
-            </a:r>
-          </a:p>
-          <a:p>
-            <a:pPr>
-              <a:spcBef>
-                <a:spcPts val="575"/>
-              </a:spcBef>
-              <a:buNone/>
-              <a:defRPr lang="fr-fr" cap="none">
-                <a:latin typeface="Courier 10 Pitch" pitchFamily="1" charset="0"/>
-                <a:ea typeface="Courier 10 Pitch" pitchFamily="1" charset="0"/>
-                <a:cs typeface="Courier 10 Pitch" pitchFamily="1" charset="0"/>
-              </a:defRPr>
-            </a:pPr>
-            <a:r>
-              <a:t>y:=x*x</a:t>
-            </a:r>
-          </a:p>
-          <a:p>
-            <a:pPr>
-              <a:spcBef>
-                <a:spcPts val="575"/>
-              </a:spcBef>
-              <a:buNone/>
-              <a:defRPr lang="fr-fr" cap="none">
-                <a:latin typeface="Courier 10 Pitch" pitchFamily="1" charset="0"/>
-                <a:ea typeface="Courier 10 Pitch" pitchFamily="1" charset="0"/>
-                <a:cs typeface="Courier 10 Pitch" pitchFamily="1" charset="0"/>
-              </a:defRPr>
-            </a:pPr>
-            <a:r>
-              <a:t>z&lt;-x*x</a:t>
-            </a:r>
-          </a:p>
-          <a:p>
-            <a:pPr>
-              <a:spcBef>
-                <a:spcPts val="575"/>
-              </a:spcBef>
-              <a:buNone/>
-              <a:defRPr lang="fr-fr" cap="none">
-                <a:latin typeface="Courier 10 Pitch" pitchFamily="1" charset="0"/>
-                <a:ea typeface="Courier 10 Pitch" pitchFamily="1" charset="0"/>
-                <a:cs typeface="Courier 10 Pitch" pitchFamily="1" charset="0"/>
-              </a:defRPr>
-            </a:pPr>
-            <a:r>
-              <a:t>x.redraw();print("x: "+x);print("y: "+y);print("z: "+z)</a:t>
-            </a:r>
-          </a:p>
-          <a:p>
-            <a:pPr>
-              <a:spcBef>
-                <a:spcPts val="575"/>
-              </a:spcBef>
-              <a:buNone/>
-              <a:defRPr lang="fr-fr" cap="none">
-                <a:latin typeface="Courier 10 Pitch" pitchFamily="1" charset="0"/>
-                <a:ea typeface="Courier 10 Pitch" pitchFamily="1" charset="0"/>
-                <a:cs typeface="Courier 10 Pitch" pitchFamily="1" charset="0"/>
-              </a:defRPr>
-            </a:pPr>
-            <a:r>
-              <a:t>x.redraw();print("x: "+x);print("y: "+y);print("z: "+z)</a:t>
-            </a:r>
-          </a:p>
-          <a:p>
-            <a:pPr>
-              <a:spcBef>
-                <a:spcPts val="430"/>
-              </a:spcBef>
-              <a:buNone/>
-              <a:defRPr lang="fr-fr" cap="none">
-                <a:latin typeface="Courier 10 Pitch" pitchFamily="1" charset="0"/>
-                <a:ea typeface="Courier 10 Pitch" pitchFamily="1" charset="0"/>
-                <a:cs typeface="Courier 10 Pitch" pitchFamily="1" charset="0"/>
-              </a:defRPr>
-            </a:pPr>
-            <a:r>
-              <a:t>y.redraw()</a:t>
-            </a:r>
-          </a:p>
-          <a:p>
-            <a:pPr>
-              <a:spcBef>
-                <a:spcPts val="430"/>
-              </a:spcBef>
-              <a:buNone/>
-              <a:defRPr lang="fr-fr" cap="none">
-                <a:latin typeface="Courier 10 Pitch" pitchFamily="1" charset="0"/>
-                <a:ea typeface="Courier 10 Pitch" pitchFamily="1" charset="0"/>
-                <a:cs typeface="Courier 10 Pitch" pitchFamily="1" charset="0"/>
-              </a:defRPr>
-            </a:pPr>
-            <a:r>
-              <a:t>z.redraw()</a:t>
+              <a:defRPr lang="fr-fr" sz="6400" cap="none">
+                <a:latin typeface="Courier 10 Pitch" pitchFamily="1" charset="0"/>
+                <a:ea typeface="Courier 10 Pitch" pitchFamily="1" charset="0"/>
+                <a:cs typeface="Courier 10 Pitch" pitchFamily="1" charset="0"/>
+              </a:defRPr>
+            </a:pPr>
+            <a:r>
+              <a:t>rb</a:t>
             </a:r>
           </a:p>
         </p:txBody>
@@ -6471,7 +6373,7 @@
             <a:spLocks noGrp="1" noChangeArrowheads="1"/>
             <a:extLst>
               <a:ext uri="smNativeData">
-                <pr:smNativeData xmlns:pr="smNativeData" xmlns="smNativeData" val="SMDATA_15_iunWYhMAAAAlAAAAZAAAAA0AAAAAkAAAAEgAAACQAAAASAAAAAAAAAABAAAAAAAAAAEAAABQAAAAAAAAAAAA4D8AAAAAAADgPwAAAAAAAOA/AAAAAAAA4D8AAAAAAADgPwAAAAAAAOA/AAAAAAAA4D8AAAAAAADgPwAAAAAAAOA/AAAAAAAA4D8CAAAAjAAAAAAAAAAAAAAAT4G9DP///wgAAAAAAAAAAAAAAAAAAAAAAAAAAAAAAAAAAAAAZAAAAAEAAABAAAAAAAAAAAAAAAAAAAAAAAAAAAAAAAAAAAAAAAAAAAAAAAAAAAAAAAAAAAAAAAAAAAAAAAAAAAAAAAAAAAAAAAAAAAAAAAAAAAAAAAAAAAAAAAAAAAAAFAAAADwAAAAAAAAAAAAAAAAAAAkUAAAAAQAAABQAAAAUAAAAFAAAAAEAAAAAAAAAZAAAAGQAAAAAAAAAZAAAAGQAAAAVAAAAYAAAAAAAAAAAAAAADwAAACADAAAAAAAAAAAAAAEAAACgMgAAVgcAAKr4//8BAAAAf39/AAEAAABkAAAAAAAAABQAAABAHwAAAAAAACYAAAAAAAAAwOD//wAAAAAmAAAAZAAAABYAAABMAAAAAAAAAAAAAAAEAAAAAAAAAAEAAADu7OEKAAAAACgAAAAoAAAAZAAAAGQAAAAAAAAAzMzMAAAAAABQAAAAUAAAAGQAAABkAAAAAAAAABcAAAAUAAAAAAAAAAAAAAD/fwAA/38AAAAAAAAJAAAABAAAAAAAAAEeAAAAaAAAAAAAAAAAAAAAAAAAAAAAAAAAAAAAECcAABAnAAAAAAAAAAAAAAAAAAAAAAAAAAAAAAAAAAAAAAAAAAAAABQAAAAAAAAAwMD/AAAAAABkAAAAMgAAAAAAAABkAAAAAAAAAH9/fwAKAAAAIgAAABgAAAAAAAAAAAAAAAAAAAAAAAAAAAAAAAAAAAAkAAAAJAAAAAAAAAAHAAAAAAAAAAAAAAAAAAAAAAAAAAAAAAAAAAAAf39/ACUAAABYAAAAAAAAAAAAAAAAAAAAAAAAAAAAAAAAAAAAAAAAAAAAAAAAAAAAAAAAAAAAAAA/AAAAAAAAAKCGAQAAAAAAAAAAAAAAAAAMAAAAAQAAAAAAAAAAAAAAAAAAAB8AAABUAAAAT4G9Bf///wEAAAAAAAAAAAAAAAAAAAAAAAAAAAAAAAAAAAAAAAAAAAAAAAJ/f38A7uzhA8zMzADAwP8Af39/AAAAAAAAAAAAAAAAAAAAAAAAAAAAIQAAABgAAAAUAAAA0AIAALEBAABwNQAAuQgAABAAAAAmAAAACAAAAAAAAAAAAAAA"/>
+                <pr:smNativeData xmlns:pr="smNativeData" xmlns="smNativeData" val="SMDATA_15_0rbXYhMAAAAlAAAAZAAAAA0AAAAAkAAAAEgAAACQAAAASAAAAAAAAAABAAAAAAAAAAEAAABQAAAAAAAAAAAA4D8AAAAAAADgPwAAAAAAAOA/AAAAAAAA4D8AAAAAAADgPwAAAAAAAOA/AAAAAAAA4D8AAAAAAADgPwAAAAAAAOA/AAAAAAAA4D8CAAAAjAAAAAAAAAAAAAAAT4G9DP///wgAAAAAAAAAAAAAAAAAAAAAAAAAAAAAAAAAAAAAZAAAAAEAAABAAAAAAAAAAAAAAAAAAAAAAAAAAAAAAAAAAAAAAAAAAAAAAAAAAAAAAAAAAAAAAAAAAAAAAAAAAAAAAAAAAAAAAAAAAAAAAAAAAAAAAAAAAAAAAAAAAAAAFAAAADwAAAAAAAAAAAAAAAAAAAkUAAAAAQAAABQAAAAUAAAAFAAAAAEAAAAAAAAAZAAAAGQAAAAAAAAAZAAAAGQAAAAVAAAAYAAAAAAAAAAAAAAADwAAACADAAAAAAAAAAAAAAEAAACgMgAAVgcAAKr4//8BAAAAf39/AAEAAABkAAAAAAAAABQAAABAHwAAAAAAACYAAAAAAAAAwOD//wAAAAAmAAAAZAAAABYAAABMAAAAAAAAAAAAAAAEAAAAAAAAAAEAAADu7OEKAAAAACgAAAAoAAAAZAAAAGQAAAAAAAAAzMzMAAAAAABQAAAAUAAAAGQAAABkAAAAAAAAABcAAAAUAAAAAAAAAAAAAAD/fwAA/38AAAAAAAAJAAAABAAAAAAAAAEeAAAAaAAAAAAAAAAAAAAAAAAAAAAAAAAAAAAAECcAABAnAAAAAAAAAAAAAAAAAAAAAAAAAAAAAAAAAAAAAAAAAAAAABQAAAAAAAAAwMD/AAAAAABkAAAAMgAAAAAAAABkAAAAAAAAAH9/fwAKAAAAIgAAABgAAAAAAAAAAAAAAAAAAAAAAAAAAAAAAAAAAAAkAAAAJAAAAAAAAAAHAAAAAAAAAAAAAAAAAAAAAAAAAAAAAAAAAAAAf39/ACUAAABYAAAAAAAAAAAAAAAAAAAAAAAAAAAAAAAAAAAAAAAAAAAAAAAAAAAAAAAAAAAAAAA/AAAAAAAAAKCGAQAAAAAAAAAAAAAAAAAMAAAAAQAAAAAAAAAAAAAAAAAAAB8AAABUAAAAT4G9Bf///wEAAAAAAAAAAAAAAAAAAAAAAAAAAAAAAAAAAAAAAAAAAAAAAAJ/f38A7uzhA8zMzADAwP8Af39/AAAAAAAAAAAAAAAAAAAAAAAAAAAAIQAAABgAAAAUAAAA0AIAALEBAABwNQAAuQgAABAAAAAmAAAACAAAAAAAAAAAAAAA"/>
               </a:ext>
             </a:extLst>
           </p:cNvSpPr>
@@ -6497,198 +6399,18 @@
         <p:nvSpPr>
           <p:cNvPr id="3" name="TexteDiapositive1"/>
           <p:cNvSpPr>
-            <a:spLocks noGrp="1" noChangeArrowheads="1"/>
-            <a:extLst>
-              <a:ext uri="smNativeData">
-                <pr:smNativeData xmlns:pr="smNativeData" xmlns="smNativeData" val="SMDATA_15_iunWYhMAAAAlAAAAZAAAAA0AAAAAkAAAAEgAAACQAAAASAAAAAAAAAAAAAAAAAAAAAEAAABQAAAAAAAAAAAA4D8AAAAAAADgPwAAAAAAAOA/AAAAAAAA4D8AAAAAAADgPwAAAAAAAOA/AAAAAAAA4D8AAAAAAADgPwAAAAAAAOA/AAAAAAAA4D8CAAAAjAAAAAAAAAAAAAAAT4G9DP///wgAAAAAAAAAAAAAAAAAAAAAAAAAAAAAAAAAAAAAZAAAAAEAAABAAAAAAAAAAAAAAAAAAAAAAAAAAAAAAAAAAAAAAAAAAAAAAAAAAAAAAAAAAAAAAAAAAAAAAAAAAAAAAAAAAAAAAAAAAAAAAAAAAAAAAAAAAAAAAAAAAAAAFAAAADwAAAAAAAAAAAAAAAAAAAkUAAAAAQAAABQAAAAUAAAAFAAAAAEAAAAAAAAAZAAAAGQAAAAAAAAAZAAAAGQAAAAVAAAAYAAAAAAAAAAAAAAADwAAACADAAAAAAAAAAAAAAEAAACgMgAAVgcAAKr4//8BAAAAf39/AAEAAABkAAAAAAAAABQAAABAHwAAAAAAACYAAAAAAAAAwOD//wAAAAAmAAAAZAAAABYAAABMAAAAAAAAAAAAAAAEAAAAAAAAAAEAAADu7OEKAAAAACgAAAAoAAAAZAAAAGQAAAAAAAAAzMzMAAAAAABQAAAAUAAAAGQAAABkAAAAAAAAABcAAAAUAAAAAAAAAAAAAAD/fwAA/38AAAAAAAAJAAAABAAAAAAAAAEeAAAAaAAAAAAAAAAAAAAAAAAAAAAAAAAAAAAAECcAABAnAAAAAAAAAAAAAAAAAAAAAAAAAAAAAAAAAAAAAAAAAAAAABQAAAAAAAAAwMD/AAAAAABkAAAAMgAAAAAAAABkAAAAAAAAAH9/fwAKAAAAIgAAABgAAAAAAAAAAAAAAAAAAAAAAAAAAAAAAAAAAAAkAAAAJAAAAAAAAAAHAAAAAAAAAAAAAAAAAAAAAAAAAAAAAAAAAAAAf39/ACUAAABYAAAAAAAAAAAAAAAAAAAAAAAAAAAAAAAAAAAAAAAAAAAAAAAAAAAAAAAAAAAAAAA/AAAAAAAAAKCGAQAAAAAAAAAAAAAAAAAMAAAAAQAAAAAAAAAAAAAAAAAAAB8AAABUAAAAT4G9Bf///wEAAAAAAAAAAAAAAAAAAAAAAAAAAAAAAAAAAAAAAAAAAAAAAAJ/f38A7uzhA8zMzADAwP8Af39/AAAAAAAAAAAAAAAAAAAAAAAAAAAAIQAAABgAAAAUAAAA0AIAANgJAABwNQAA2iAAABAAAAAmAAAACAAAAAEAAAAAAAAA"/>
+            <a:extLst>
+              <a:ext uri="smNativeData">
+                <pr:smNativeData xmlns:pr="smNativeData" xmlns="smNativeData" val="SMDATA_15_0rbXYhMAAAAlAAAAZAAAAA0AAAAAkAAAAEgAAACQAAAASAAAAAAAAAAAAAAAAAAAAAEAAABQAAAAAAAAAAAA4D8AAAAAAADgPwAAAAAAAOA/AAAAAAAA4D8AAAAAAADgPwAAAAAAAOA/AAAAAAAA4D8AAAAAAADgPwAAAAAAAOA/AAAAAAAA4D8CAAAAjAAAAAAAAAAAAAAAT4G9DP///wgAAAAAAAAAAAAAAAAAAAAAAAAAAAAAAAAAAAAAZAAAAAEAAABAAAAAAAAAAAAAAAAAAAAAAAAAAAAAAAAAAAAAAAAAAAAAAAAAAAAAAAAAAAAAAAAAAAAAAAAAAAAAAAAAAAAAAAAAAAAAAAAAAAAAAAAAAAAAAAAAAAAAFAAAADwAAAAAAAAAAAAAAAAAAAkUAAAAAQAAABQAAAAUAAAAFAAAAAEAAAAAAAAAZAAAAGQAAAAAAAAAZAAAAGQAAAAVAAAAYAAAAAAAAAAAAAAADwAAACADAAAAAAAAAAAAAAEAAACgMgAAVgcAAKr4//8BAAAAf39/AAEAAABkAAAAAAAAABQAAABAHwAAAAAAACYAAAAAAAAAwOD//wAAAAAmAAAAZAAAABYAAABMAAAAAAAAAAAAAAAEAAAAAAAAAAEAAADu7OEKAAAAACgAAAAoAAAAZAAAAGQAAAAAAAAAzMzMAAAAAABQAAAAUAAAAGQAAABkAAAAAAAAABcAAAAUAAAAAAAAAAAAAAD/fwAA/38AAAAAAAAJAAAABAAAAAAAAAEeAAAAaAAAAAAAAAAAAAAAAAAAAAAAAAAAAAAAECcAABAnAAAAAAAAAAAAAAAAAAAAAAAAAAAAAAAAAAAAAAAAAAAAABQAAAAAAAAAwMD/AAAAAABkAAAAMgAAAAAAAABkAAAAAAAAAH9/fwAKAAAAIgAAABgAAAAAAAAAAAAAAAAAAAAAAAAAAAAAAAAAAAAkAAAAJAAAAAAAAAAHAAAAAAAAAAAAAAAAAAAAAAAAAAAAAAAAAAAAf39/ACUAAABYAAAAAAAAAAAAAAAAAAAAAAAAAAAAAAAAAAAAAAAAAAAAAAAAAAAAAAAAAAAAAAA/AAAAAAAAAKCGAQAAAAAAAAAAAAAAAAAMAAAAAQAAAAAAAAAAAAAAAAAAAB8AAABUAAAAT4G9Bf///wEAAAAAAAAAAAAAAAAAAAAAAAAAAAAAAAAAAAAAAAAAAAAAAAJ/f38A7uzhA8zMzADAwP8Af39/AAAAAAAAAAAAAAAAAAAAAAAAAAAAIQAAABgAAAAUAAAA0AIAANgJAABwNQAA2iAAABAAAAAmAAAACAAAAP//////////"/>
               </a:ext>
             </a:extLst>
           </p:cNvSpPr>
-          <p:nvPr>
-            <p:ph type="body" idx="1"/>
-          </p:nvPr>
+          <p:nvPr/>
         </p:nvSpPr>
         <p:spPr>
           <a:xfrm>
             <a:off x="457200" y="1600200"/>
             <a:ext cx="8229600" cy="3740150"/>
-          </a:xfrm>
-        </p:spPr>
-        <p:txBody>
-          <a:bodyPr/>
-          <a:lstStyle/>
-          <a:p>
-            <a:pPr marL="0" indent="0">
-              <a:spcBef>
-                <a:spcPts val="575"/>
-              </a:spcBef>
-              <a:buNone/>
-              <a:defRPr lang="fr-fr" sz="1800" cap="none">
-                <a:latin typeface="Courier 10 Pitch" pitchFamily="1" charset="0"/>
-                <a:ea typeface="Courier 10 Pitch" pitchFamily="1" charset="0"/>
-                <a:cs typeface="Courier 10 Pitch" pitchFamily="1" charset="0"/>
-              </a:defRPr>
-            </a:pPr>
-            <a:r>
-              <a:t>a&lt;-1</a:t>
-            </a:r>
-          </a:p>
-          <a:p>
-            <a:pPr marL="0" indent="0">
-              <a:spcBef>
-                <a:spcPts val="575"/>
-              </a:spcBef>
-              <a:buNone/>
-              <a:defRPr lang="fr-fr" sz="1800" cap="none">
-                <a:latin typeface="Courier 10 Pitch" pitchFamily="1" charset="0"/>
-                <a:ea typeface="Courier 10 Pitch" pitchFamily="1" charset="0"/>
-                <a:cs typeface="Courier 10 Pitch" pitchFamily="1" charset="0"/>
-              </a:defRPr>
-            </a:pPr>
-            <a:r>
-              <a:t>b&lt;-2</a:t>
-            </a:r>
-          </a:p>
-          <a:p>
-            <a:pPr marL="0" indent="0">
-              <a:spcBef>
-                <a:spcPts val="575"/>
-              </a:spcBef>
-              <a:buNone/>
-              <a:defRPr lang="fr-fr" sz="1800" cap="none">
-                <a:latin typeface="Courier 10 Pitch" pitchFamily="1" charset="0"/>
-                <a:ea typeface="Courier 10 Pitch" pitchFamily="1" charset="0"/>
-                <a:cs typeface="Courier 10 Pitch" pitchFamily="1" charset="0"/>
-              </a:defRPr>
-            </a:pPr>
-            <a:r>
-              <a:t>x~dnNormal(mean=a,sd=b)</a:t>
-            </a:r>
-          </a:p>
-          <a:p>
-            <a:pPr marL="0" indent="0">
-              <a:spcBef>
-                <a:spcPts val="575"/>
-              </a:spcBef>
-              <a:buNone/>
-              <a:defRPr lang="fr-fr" sz="1800" cap="none">
-                <a:latin typeface="Courier 10 Pitch" pitchFamily="1" charset="0"/>
-                <a:ea typeface="Courier 10 Pitch" pitchFamily="1" charset="0"/>
-                <a:cs typeface="Courier 10 Pitch" pitchFamily="1" charset="0"/>
-              </a:defRPr>
-            </a:pPr>
-            <a:r>
-              <a:t>print(x)</a:t>
-            </a:r>
-          </a:p>
-          <a:p>
-            <a:pPr marL="0" indent="0">
-              <a:spcBef>
-                <a:spcPts val="575"/>
-              </a:spcBef>
-              <a:buNone/>
-              <a:defRPr lang="fr-fr" sz="1800" cap="none">
-                <a:latin typeface="Courier 10 Pitch" pitchFamily="1" charset="0"/>
-                <a:ea typeface="Courier 10 Pitch" pitchFamily="1" charset="0"/>
-                <a:cs typeface="Courier 10 Pitch" pitchFamily="1" charset="0"/>
-              </a:defRPr>
-            </a:pPr>
-            <a:r>
-              <a:t>y:=x*x</a:t>
-            </a:r>
-          </a:p>
-          <a:p>
-            <a:pPr marL="0" indent="0">
-              <a:spcBef>
-                <a:spcPts val="575"/>
-              </a:spcBef>
-              <a:buNone/>
-              <a:defRPr lang="fr-fr" sz="1800" cap="none">
-                <a:latin typeface="Courier 10 Pitch" pitchFamily="1" charset="0"/>
-                <a:ea typeface="Courier 10 Pitch" pitchFamily="1" charset="0"/>
-                <a:cs typeface="Courier 10 Pitch" pitchFamily="1" charset="0"/>
-              </a:defRPr>
-            </a:pPr>
-            <a:r>
-              <a:t>z&lt;-x*x</a:t>
-            </a:r>
-          </a:p>
-          <a:p>
-            <a:pPr marL="0" indent="0">
-              <a:spcBef>
-                <a:spcPts val="575"/>
-              </a:spcBef>
-              <a:buNone/>
-              <a:defRPr lang="fr-fr" sz="1800" cap="none">
-                <a:latin typeface="Courier 10 Pitch" pitchFamily="1" charset="0"/>
-                <a:ea typeface="Courier 10 Pitch" pitchFamily="1" charset="0"/>
-                <a:cs typeface="Courier 10 Pitch" pitchFamily="1" charset="0"/>
-              </a:defRPr>
-            </a:pPr>
-            <a:r>
-              <a:t>x.redraw();print("x: "+x);print("y: "+y);print("z: "+z)</a:t>
-            </a:r>
-          </a:p>
-          <a:p>
-            <a:pPr marL="0" indent="0">
-              <a:spcBef>
-                <a:spcPts val="575"/>
-              </a:spcBef>
-              <a:buNone/>
-              <a:defRPr lang="fr-fr" sz="1800" cap="none">
-                <a:latin typeface="Courier 10 Pitch" pitchFamily="1" charset="0"/>
-                <a:ea typeface="Courier 10 Pitch" pitchFamily="1" charset="0"/>
-                <a:cs typeface="Courier 10 Pitch" pitchFamily="1" charset="0"/>
-              </a:defRPr>
-            </a:pPr>
-            <a:r>
-              <a:t>x.redraw();print("x: "+x);print("y: "+y);print("z: "+z)</a:t>
-            </a:r>
-          </a:p>
-          <a:p>
-            <a:pPr marL="0" indent="0">
-              <a:buNone/>
-              <a:defRPr lang="fr-fr" sz="1800" cap="none">
-                <a:latin typeface="Courier 10 Pitch" pitchFamily="1" charset="0"/>
-                <a:ea typeface="Courier 10 Pitch" pitchFamily="1" charset="0"/>
-                <a:cs typeface="Courier 10 Pitch" pitchFamily="1" charset="0"/>
-              </a:defRPr>
-            </a:pPr>
-            <a:r>
-              <a:t>y.redraw()</a:t>
-            </a:r>
-          </a:p>
-          <a:p>
-            <a:pPr marL="0" indent="0">
-              <a:buNone/>
-              <a:defRPr lang="fr-fr" sz="1800" cap="none">
-                <a:latin typeface="Courier 10 Pitch" pitchFamily="1" charset="0"/>
-                <a:ea typeface="Courier 10 Pitch" pitchFamily="1" charset="0"/>
-                <a:cs typeface="Courier 10 Pitch" pitchFamily="1" charset="0"/>
-              </a:defRPr>
-            </a:pPr>
-            <a:r>
-              <a:t>z.redraw()</a:t>
-            </a:r>
-          </a:p>
-        </p:txBody>
-      </p:sp>
-      <p:sp>
-        <p:nvSpPr>
-          <p:cNvPr id="4" name="CadreTexte2"/>
-          <p:cNvSpPr txBox="1">
-            <a:extLst>
-              <a:ext uri="smNativeData">
-                <pr:smNativeData xmlns:pr="smNativeData" xmlns="smNativeData" val="SMDATA_15_iunWYhMAAAAlAAAAEgAAAE8BAAAAkAAAAEgAAACQAAAASAAAAAAAAAAAAAAAAAAAAAEAAABQAAAAAAAAAAAA4D8AAAAAAADgPwAAAAAAAOA/AAAAAAAA4D8AAAAAAADgPwAAAAAAAOA/AAAAAAAA4D8AAAAAAADgPwAAAAAAAOA/AAAAAAAA4D8CAAAAjAAAAAAAAAAAAAAAT4G9DP///wgAAAAAAAAAAAAAAAAAAAAAAAAAAAAAAAAAAAAAZAAAAAEAAABAAAAAAAAAAAAAAAAAAAAAAAAAAAAAAAAAAAAAAAAAAAAAAAAAAAAAAAAAAAAAAAAAAAAAAAAAAAAAAAAAAAAAAAAAAAAAAAAAAAAAAAAAAAAAAAAAAAAAFAAAADwAAAAAAAAAAAAAAAAAAAkUAAAAAQAAABQAAAAUAAAAFAAAAAEAAAAAAAAAZAAAAGQAAAAAAAAAZAAAAGQAAAAVAAAAYAAAAAAAAAAAAAAADwAAACADAAAAAAAAAAAAAAEAAACgMgAAVgcAAKr4//8BAAAAf39/AAEAAABkAAAAAAAAABQAAABAHwAAAAAAACYAAAAAAAAAwOD//wAAAAAmAAAAZAAAABYAAABMAAAAAAAAAAAAAAAEAAAAAAAAAAEAAADu7OEKAAAAACgAAAAoAAAAZAAAAGQAAAAAAAAAzMzMAAAAAABQAAAAUAAAAGQAAABkAAAAAAAAABcAAAAUAAAAAAAAAGMEAAD/fwAA/38AAAAAAAAJAAAABAAAAD7o2aweAAAAaAAAAAAAAAAAAAAAAAAAAAAAAAAAAAAAECcAABAnAAAAAAAAAAAAAAAAAAAAAAAAAAAAAAAAAAAAAAAAAAAAABQAAAAAAAAAwMD/AAAAAABkAAAAMgAAAAAAAABkAAAAAAAAAH9/fwAKAAAAIgAAABgAAAAAAAAAAAAAAAAAAAAAAAAAAAAAAAAAAAAkAAAAJAAAAAAAAAAHAAAAAAAAAAAAAAAAAAAAAAAAAAAAAAAAAAAAf39/ACUAAABYAAAAAAAAAAAAAAAAAAAAAAAAAAAAAAAAAAAAAAAAAAAAAAAAAAAAAAAAAAAAAAA/AAAAAAAAAKCGAQAAAAAAAAAAAAAAAAAMAAAAAQAAAAAAAAAAAAAAAAAAAB8AAABUAAAAT4G9Bf///wEAAAAAAAAAAAAAAAAAAAAAAAAAAAAAAAAAAAAAAAAAAAAAAAJ/f38A7uzhA8zMzADAwP8Af39/AAAAAAAAAAAAAAAAAAAAAAAAAAAAIQAAABgAAAAUAAAAQwsAAIcJAAAaFQAAxwsAABAgAAAmAAAACAAAAP//////////"/>
-              </a:ext>
-            </a:extLst>
-          </p:cNvSpPr>
-          <p:nvPr/>
-        </p:nvSpPr>
-        <p:spPr>
-          <a:xfrm>
-            <a:off x="1830705" y="1548765"/>
-            <a:ext cx="1599565" cy="365760"/>
           </a:xfrm>
           <a:prstGeom prst="rect">
             <a:avLst/>
@@ -6700,190 +6422,166 @@
           <a:effectLst/>
         </p:spPr>
         <p:txBody>
-          <a:bodyPr vert="horz" wrap="square" numCol="1" spcCol="215900" anchor="t"/>
+          <a:bodyPr vert="horz" wrap="square" lIns="91440" tIns="45720" rIns="91440" bIns="45720" numCol="1" spcCol="215900" anchor="t"/>
           <a:lstStyle/>
           <a:p>
             <a:pPr>
-              <a:defRPr lang="fr-fr" i="1" cap="none">
-                <a:solidFill>
-                  <a:srgbClr val="999999"/>
-                </a:solidFill>
-              </a:defRPr>
-            </a:pPr>
-            <a:r>
-              <a:t>Constant node</a:t>
-            </a:r>
-          </a:p>
-        </p:txBody>
-      </p:sp>
-      <p:sp>
-        <p:nvSpPr>
-          <p:cNvPr id="5" name="CadreTexte3"/>
-          <p:cNvSpPr txBox="1">
-            <a:extLst>
-              <a:ext uri="smNativeData">
-                <pr:smNativeData xmlns:pr="smNativeData" xmlns="smNativeData" val="SMDATA_15_iunWYhMAAAAlAAAAEgAAAE8BAAAAkAAAAEgAAACQAAAASAAAAAAAAAAAAAAAAAAAAAEAAABQAAAAAAAAAAAA4D8AAAAAAADgPwAAAAAAAOA/AAAAAAAA4D8AAAAAAADgPwAAAAAAAOA/AAAAAAAA4D8AAAAAAADgPwAAAAAAAOA/AAAAAAAA4D8CAAAAjAAAAAAAAAAAAAAAT4G9DP///wgAAAAAAAAAAAAAAAAAAAAAAAAAAAAAAAAAAAAAZAAAAAEAAABAAAAAAAAAAAAAAAAAAAAAAAAAAAAAAAAAAAAAAAAAAAAAAAAAAAAAAAAAAAAAAAAAAAAAAAAAAAAAAAAAAAAAAAAAAAAAAAAAAAAAAAAAAAAAAAAAAAAAFAAAADwAAAAAAAAAAAAAAAAAAAkUAAAAAQAAABQAAAAUAAAAFAAAAAEAAAAAAAAAZAAAAGQAAAAAAAAAZAAAAGQAAAAVAAAAYAAAAAAAAAAAAAAADwAAACADAAAAAAAAAAAAAAEAAACgMgAAVgcAAKr4//8BAAAAf39/AAEAAABkAAAAAAAAABQAAABAHwAAAAAAACYAAAAAAAAAwOD//wAAAAAmAAAAZAAAABYAAABMAAAAAAAAAAAAAAAEAAAAAAAAAAEAAADu7OEKAAAAACgAAAAoAAAAZAAAAGQAAAAAAAAAzMzMAAAAAABQAAAAUAAAAGQAAABkAAAAAAAAABcAAAAUAAAAAAAAAGMEAAD/fwAA/38AAAAAAAAJAAAABAAAAC8AAAAeAAAAaAAAAAAAAAAAAAAAAAAAAAAAAAAAAAAAECcAABAnAAAAAAAAAAAAAAAAAAAAAAAAAAAAAAAAAAAAAAAAAAAAABQAAAAAAAAAwMD/AAAAAABkAAAAMgAAAAAAAABkAAAAAAAAAH9/fwAKAAAAIgAAABgAAAAAAAAAAAAAAAAAAAAAAAAAAAAAAAAAAAAkAAAAJAAAAAAAAAAHAAAAAAAAAAAAAAAAAAAAAAAAAAAAAAAAAAAAf39/ACUAAABYAAAAAAAAAAAAAAAAAAAAAAAAAAAAAAAAAAAAAAAAAAAAAAAAAAAAAAAAAAAAAAA/AAAAAAAAAKCGAQAAAAAAAAAAAAAAAAAMAAAAAQAAAAAAAAAAAAAAAAAAAB8AAABUAAAAT4G9Bf///wEAAAAAAAAAAAAAAAAAAAAAAAAAAAAAAAAAAAAAAAAAAAAAAAJ/f38A7uzhA8zMzADAwP8Af39/AAAAAAAAAAAAAAAAAAAAAAAAAAAAIQAAABgAAAAUAAAAZAsAAM4LAAA7FQAADg4AABAgAAAmAAAACAAAAP//////////"/>
-              </a:ext>
-            </a:extLst>
-          </p:cNvSpPr>
-          <p:nvPr/>
-        </p:nvSpPr>
-        <p:spPr>
-          <a:xfrm>
-            <a:off x="1851660" y="1918970"/>
-            <a:ext cx="1599565" cy="365760"/>
-          </a:xfrm>
-          <a:prstGeom prst="rect">
-            <a:avLst/>
-          </a:prstGeom>
-          <a:noFill/>
-          <a:ln>
-            <a:noFill/>
-          </a:ln>
-          <a:effectLst/>
-        </p:spPr>
-        <p:txBody>
-          <a:bodyPr vert="horz" wrap="square" numCol="1" spcCol="215900" anchor="t"/>
-          <a:lstStyle/>
-          <a:p>
-            <a:pPr>
-              <a:defRPr lang="fr-fr" i="1" cap="none">
-                <a:solidFill>
-                  <a:srgbClr val="999999"/>
-                </a:solidFill>
-              </a:defRPr>
-            </a:pPr>
-            <a:r>
-              <a:t>Constant node</a:t>
-            </a:r>
-          </a:p>
-        </p:txBody>
-      </p:sp>
-      <p:sp>
-        <p:nvSpPr>
-          <p:cNvPr id="6" name="CadreTexte4"/>
-          <p:cNvSpPr txBox="1">
-            <a:extLst>
-              <a:ext uri="smNativeData">
-                <pr:smNativeData xmlns:pr="smNativeData" xmlns="smNativeData" val="SMDATA_15_iunWYhMAAAAlAAAAEgAAAE8BAAAAkAAAAEgAAACQAAAASAAAAAAAAAAAAAAAAAAAAAEAAABQAAAAAAAAAAAA4D8AAAAAAADgPwAAAAAAAOA/AAAAAAAA4D8AAAAAAADgPwAAAAAAAOA/AAAAAAAA4D8AAAAAAADgPwAAAAAAAOA/AAAAAAAA4D8CAAAAjAAAAAAAAAAAAAAAT4G9DP///wgAAAAAAAAAAAAAAAAAAAAAAAAAAAAAAAAAAAAAZAAAAAEAAABAAAAAAAAAAAAAAAAAAAAAAAAAAAAAAAAAAAAAAAAAAAAAAAAAAAAAAAAAAAAAAAAAAAAAAAAAAAAAAAAAAAAAAAAAAAAAAAAAAAAAAAAAAAAAAAAAAAAAFAAAADwAAAAAAAAAAAAAAAAAAAkUAAAAAQAAABQAAAAUAAAAFAAAAAEAAAAAAAAAZAAAAGQAAAAAAAAAZAAAAGQAAAAVAAAAYAAAAAAAAAAAAAAADwAAACADAAAAAAAAAAAAAAEAAACgMgAAVgcAAKr4//8BAAAAf39/AAEAAABkAAAAAAAAABQAAABAHwAAAAAAACYAAAAAAAAAwOD//wAAAAAmAAAAZAAAABYAAABMAAAAAAAAAAAAAAAEAAAAAAAAAAEAAADu7OEKAAAAACgAAAAoAAAAZAAAAGQAAAAAAAAAzMzMAAAAAABQAAAAUAAAAGQAAABkAAAAAAAAABcAAAAUAAAAAAAAAGMEAAD/fwAA/38AAAAAAAAJAAAABAAAAC8AAAAeAAAAaAAAAAAAAAAAAAAAAAAAAAAAAAAAAAAAECcAABAnAAAAAAAAAAAAAAAAAAAAAAAAAAAAAAAAAAAAAAAAAAAAABQAAAAAAAAAwMD/AAAAAABkAAAAMgAAAAAAAABkAAAAAAAAAH9/fwAKAAAAIgAAABgAAAAAAAAAAAAAAAAAAAAAAAAAAAAAAAAAAAAkAAAAJAAAAAAAAAAHAAAAAAAAAAAAAAAAAAAAAAAAAAAAAAAAAAAAf39/ACUAAABYAAAAAAAAAAAAAAAAAAAAAAAAAAAAAAAAAAAAAAAAAAAAAAAAAAAAAAAAAAAAAAA/AAAAAAAAAKCGAQAAAAAAAAAAAAAAAAAMAAAAAQAAAAAAAAAAAAAAAAAAAB8AAABUAAAAT4G9Bf///wEAAAAAAAAAAAAAAAAAAAAAAAAAAAAAAAAAAAAAAAAAAAAAAAJ/f38A7uzhA8zMzADAwP8Af39/AAAAAAAAAAAAAAAAAAAAAAAAAAAAIQAAABgAAAAUAAAA0xcAABUOAACoJQAAVRAAABAgAAAmAAAACAAAAP//////////"/>
-              </a:ext>
-            </a:extLst>
-          </p:cNvSpPr>
-          <p:nvPr/>
-        </p:nvSpPr>
-        <p:spPr>
-          <a:xfrm>
-            <a:off x="3872865" y="2289175"/>
-            <a:ext cx="2248535" cy="365760"/>
-          </a:xfrm>
-          <a:prstGeom prst="rect">
-            <a:avLst/>
-          </a:prstGeom>
-          <a:noFill/>
-          <a:ln>
-            <a:noFill/>
-          </a:ln>
-          <a:effectLst/>
-        </p:spPr>
-        <p:txBody>
-          <a:bodyPr vert="horz" wrap="square" numCol="1" spcCol="215900" anchor="t"/>
-          <a:lstStyle/>
-          <a:p>
-            <a:pPr>
-              <a:defRPr lang="fr-fr" i="1" cap="none">
-                <a:solidFill>
-                  <a:srgbClr val="999999"/>
-                </a:solidFill>
-              </a:defRPr>
-            </a:pPr>
-            <a:r>
-              <a:t>Stochastic node</a:t>
-            </a:r>
-          </a:p>
-        </p:txBody>
-      </p:sp>
-      <p:sp>
-        <p:nvSpPr>
-          <p:cNvPr id="7" name="CadreTexte5"/>
-          <p:cNvSpPr txBox="1">
-            <a:extLst>
-              <a:ext uri="smNativeData">
-                <pr:smNativeData xmlns:pr="smNativeData" xmlns="smNativeData" val="SMDATA_15_iunWYhMAAAAlAAAAEgAAAE8BAAAAkAAAAEgAAACQAAAASAAAAAAAAAAAAAAAAAAAAAEAAABQAAAAAAAAAAAA4D8AAAAAAADgPwAAAAAAAOA/AAAAAAAA4D8AAAAAAADgPwAAAAAAAOA/AAAAAAAA4D8AAAAAAADgPwAAAAAAAOA/AAAAAAAA4D8CAAAAjAAAAAAAAAAAAAAAT4G9DP///wgAAAAAAAAAAAAAAAAAAAAAAAAAAAAAAAAAAAAAZAAAAAEAAABAAAAAAAAAAAAAAAAAAAAAAAAAAAAAAAAAAAAAAAAAAAAAAAAAAAAAAAAAAAAAAAAAAAAAAAAAAAAAAAAAAAAAAAAAAAAAAAAAAAAAAAAAAAAAAAAAAAAAFAAAADwAAAAAAAAAAAAAAAAAAAkUAAAAAQAAABQAAAAUAAAAFAAAAAEAAAAAAAAAZAAAAGQAAAAAAAAAZAAAAGQAAAAVAAAAYAAAAAAAAAAAAAAADwAAACADAAAAAAAAAAAAAAEAAACgMgAAVgcAAKr4//8BAAAAf39/AAEAAABkAAAAAAAAABQAAABAHwAAAAAAACYAAAAAAAAAwOD//wAAAAAmAAAAZAAAABYAAABMAAAAAAAAAAAAAAAEAAAAAAAAAAEAAADu7OEKAAAAACgAAAAoAAAAZAAAAGQAAAAAAAAAzMzMAAAAAABQAAAAUAAAAGQAAABkAAAAAAAAABcAAAAUAAAAAAAAAGMEAAD/fwAA/38AAAAAAAAJAAAABAAAAC8AAAAeAAAAaAAAAAAAAAAAAAAAAAAAAAAAAAAAAAAAECcAABAnAAAAAAAAAAAAAAAAAAAAAAAAAAAAAAAAAAAAAAAAAAAAABQAAAAAAAAAwMD/AAAAAABkAAAAMgAAAAAAAABkAAAAAAAAAH9/fwAKAAAAIgAAABgAAAAAAAAAAAAAAAAAAAAAAAAAAAAAAAAAAAAkAAAAJAAAAAAAAAAHAAAAAAAAAAAAAAAAAAAAAAAAAAAAAAAAAAAAf39/ACUAAABYAAAAAAAAAAAAAAAAAAAAAAAAAAAAAAAAAAAAAAAAAAAAAAAAAAAAAAAAAAAAAAA/AAAAAAAAAKCGAQAAAAAAAAAAAAAAAAAMAAAAAQAAAAAAAAAAAAAAAAAAAB8AAABUAAAAT4G9Bf///wEAAAAAAAAAAAAAAAAAAAAAAAAAAAAAAAAAAAAAAAAAAAAAAAJ/f38A7uzhA8zMzADAwP8Af39/AAAAAAAAAAAAAAAAAAAAAAAAAAAAIQAAABgAAAAUAAAAEAsAAFASAADlGAAAkBQAABAgAAAmAAAACAAAAP//////////"/>
-              </a:ext>
-            </a:extLst>
-          </p:cNvSpPr>
-          <p:nvPr/>
-        </p:nvSpPr>
-        <p:spPr>
-          <a:xfrm>
-            <a:off x="1798320" y="2976880"/>
-            <a:ext cx="2248535" cy="365760"/>
-          </a:xfrm>
-          <a:prstGeom prst="rect">
-            <a:avLst/>
-          </a:prstGeom>
-          <a:noFill/>
-          <a:ln>
-            <a:noFill/>
-          </a:ln>
-          <a:effectLst/>
-        </p:spPr>
-        <p:txBody>
-          <a:bodyPr vert="horz" wrap="square" numCol="1" spcCol="215900" anchor="t"/>
-          <a:lstStyle/>
-          <a:p>
-            <a:pPr>
-              <a:defRPr lang="fr-fr" i="1" cap="none">
-                <a:solidFill>
-                  <a:srgbClr val="999999"/>
-                </a:solidFill>
-              </a:defRPr>
-            </a:pPr>
-            <a:r>
-              <a:t>Deterministic node</a:t>
-            </a:r>
-          </a:p>
-        </p:txBody>
-      </p:sp>
-      <p:sp>
-        <p:nvSpPr>
-          <p:cNvPr id="8" name="CadreTexte6"/>
-          <p:cNvSpPr txBox="1">
-            <a:extLst>
-              <a:ext uri="smNativeData">
-                <pr:smNativeData xmlns:pr="smNativeData" xmlns="smNativeData" val="SMDATA_15_iunWYhMAAAAlAAAAEgAAAE8BAAAAkAAAAEgAAACQAAAASAAAAAAAAAAAAAAAAAAAAAEAAABQAAAAAAAAAAAA4D8AAAAAAADgPwAAAAAAAOA/AAAAAAAA4D8AAAAAAADgPwAAAAAAAOA/AAAAAAAA4D8AAAAAAADgPwAAAAAAAOA/AAAAAAAA4D8CAAAAjAAAAAAAAAAAAAAAT4G9DP///wgAAAAAAAAAAAAAAAAAAAAAAAAAAAAAAAAAAAAAZAAAAAEAAABAAAAAAAAAAAAAAAAAAAAAAAAAAAAAAAAAAAAAAAAAAAAAAAAAAAAAAAAAAAAAAAAAAAAAAAAAAAAAAAAAAAAAAAAAAAAAAAAAAAAAAAAAAAAAAAAAAAAAFAAAADwAAAAAAAAAAAAAAAAAAAkUAAAAAQAAABQAAAAUAAAAFAAAAAEAAAAAAAAAZAAAAGQAAAAAAAAAZAAAAGQAAAAVAAAAYAAAAAAAAAAAAAAADwAAACADAAAAAAAAAAAAAAEAAACgMgAAVgcAAKr4//8BAAAAf39/AAEAAABkAAAAAAAAABQAAABAHwAAAAAAACYAAAAAAAAAwOD//wAAAAAmAAAAZAAAABYAAABMAAAAAAAAAAAAAAAEAAAAAAAAAAEAAADu7OEKAAAAACgAAAAoAAAAZAAAAGQAAAAAAAAAzMzMAAAAAABQAAAAUAAAAGQAAABkAAAAAAAAABcAAAAUAAAAAAAAAGMEAAD/fwAA/38AAAAAAAAJAAAABAAAAAAAAAEeAAAAaAAAAAAAAAAAAAAAAAAAAAAAAAAAAAAAECcAABAnAAAAAAAAAAAAAAAAAAAAAAAAAAAAAAAAAAAAAAAAAAAAABQAAAAAAAAAwMD/AAAAAABkAAAAMgAAAAAAAABkAAAAAAAAAH9/fwAKAAAAIgAAABgAAAAAAAAAAAAAAAAAAAAAAAAAAAAAAAAAAAAkAAAAJAAAAAAAAAAHAAAAAAAAAAAAAAAAAAAAAAAAAAAAAAAAAAAAf39/ACUAAABYAAAAAAAAAAAAAAAAAAAAAAAAAAAAAAAAAAAAAAAAAAAAAAAAAAAAAAAAAAAAAAA/AAAAAAAAAKCGAQAAAAAAAAAAAAAAAAAMAAAAAQAAAAAAAAAAAAAAAAAAAB8AAABUAAAAT4G9Bf///wEAAAAAAAAAAAAAAAAAAAAAAAAAAAAAAAAAAAAAAAAAAAAAAAJ/f38A7uzhA8zMzADAwP8Af39/AAAAAAAAAAAAAAAAAAAAAAAAAAAAIQAAABgAAAAUAAAAUwsAAIcUAAAqFQAAxxYAABAgAAAmAAAACAAAAP//////////"/>
-              </a:ext>
-            </a:extLst>
-          </p:cNvSpPr>
-          <p:nvPr/>
-        </p:nvSpPr>
-        <p:spPr>
-          <a:xfrm>
-            <a:off x="1840865" y="3336925"/>
-            <a:ext cx="1599565" cy="365760"/>
-          </a:xfrm>
-          <a:prstGeom prst="rect">
-            <a:avLst/>
-          </a:prstGeom>
-          <a:noFill/>
-          <a:ln>
-            <a:noFill/>
-          </a:ln>
-          <a:effectLst/>
-        </p:spPr>
-        <p:txBody>
-          <a:bodyPr vert="horz" wrap="square" numCol="1" spcCol="215900" anchor="t"/>
-          <a:lstStyle/>
-          <a:p>
-            <a:pPr>
-              <a:defRPr lang="fr-fr" i="1" cap="none">
-                <a:solidFill>
-                  <a:srgbClr val="999999"/>
-                </a:solidFill>
-              </a:defRPr>
-            </a:pPr>
-            <a:r>
-              <a:t>Constant node</a:t>
+              <a:spcBef>
+                <a:spcPts val="575"/>
+              </a:spcBef>
+              <a:buNone/>
+              <a:defRPr lang="fr-fr" cap="none">
+                <a:latin typeface="Courier 10 Pitch" pitchFamily="1" charset="0"/>
+                <a:ea typeface="Courier 10 Pitch" pitchFamily="1" charset="0"/>
+                <a:cs typeface="Courier 10 Pitch" pitchFamily="1" charset="0"/>
+              </a:defRPr>
+            </a:pPr>
+            <a:r>
+              <a:t>a&lt;-1</a:t>
+            </a:r>
+          </a:p>
+          <a:p>
+            <a:pPr>
+              <a:spcBef>
+                <a:spcPts val="575"/>
+              </a:spcBef>
+              <a:buNone/>
+              <a:defRPr lang="fr-fr" cap="none">
+                <a:latin typeface="Courier 10 Pitch" pitchFamily="1" charset="0"/>
+                <a:ea typeface="Courier 10 Pitch" pitchFamily="1" charset="0"/>
+                <a:cs typeface="Courier 10 Pitch" pitchFamily="1" charset="0"/>
+              </a:defRPr>
+            </a:pPr>
+            <a:r>
+              <a:t>b&lt;-2</a:t>
+            </a:r>
+          </a:p>
+          <a:p>
+            <a:pPr>
+              <a:spcBef>
+                <a:spcPts val="575"/>
+              </a:spcBef>
+              <a:buNone/>
+              <a:defRPr lang="fr-fr" cap="none">
+                <a:latin typeface="Courier 10 Pitch" pitchFamily="1" charset="0"/>
+                <a:ea typeface="Courier 10 Pitch" pitchFamily="1" charset="0"/>
+                <a:cs typeface="Courier 10 Pitch" pitchFamily="1" charset="0"/>
+              </a:defRPr>
+            </a:pPr>
+            <a:r>
+              <a:t>x~dnNormal(mean=a,sd=b)</a:t>
+            </a:r>
+          </a:p>
+          <a:p>
+            <a:pPr>
+              <a:spcBef>
+                <a:spcPts val="575"/>
+              </a:spcBef>
+              <a:buNone/>
+              <a:defRPr lang="fr-fr" cap="none">
+                <a:latin typeface="Courier 10 Pitch" pitchFamily="1" charset="0"/>
+                <a:ea typeface="Courier 10 Pitch" pitchFamily="1" charset="0"/>
+                <a:cs typeface="Courier 10 Pitch" pitchFamily="1" charset="0"/>
+              </a:defRPr>
+            </a:pPr>
+            <a:r>
+              <a:t>print(x)</a:t>
+            </a:r>
+          </a:p>
+          <a:p>
+            <a:pPr>
+              <a:spcBef>
+                <a:spcPts val="575"/>
+              </a:spcBef>
+              <a:buNone/>
+              <a:defRPr lang="fr-fr" cap="none">
+                <a:latin typeface="Courier 10 Pitch" pitchFamily="1" charset="0"/>
+                <a:ea typeface="Courier 10 Pitch" pitchFamily="1" charset="0"/>
+                <a:cs typeface="Courier 10 Pitch" pitchFamily="1" charset="0"/>
+              </a:defRPr>
+            </a:pPr>
+            <a:r>
+              <a:t>y:=x*x</a:t>
+            </a:r>
+          </a:p>
+          <a:p>
+            <a:pPr>
+              <a:spcBef>
+                <a:spcPts val="575"/>
+              </a:spcBef>
+              <a:buNone/>
+              <a:defRPr lang="fr-fr" cap="none">
+                <a:latin typeface="Courier 10 Pitch" pitchFamily="1" charset="0"/>
+                <a:ea typeface="Courier 10 Pitch" pitchFamily="1" charset="0"/>
+                <a:cs typeface="Courier 10 Pitch" pitchFamily="1" charset="0"/>
+              </a:defRPr>
+            </a:pPr>
+            <a:r>
+              <a:t>z&lt;-x*x</a:t>
+            </a:r>
+          </a:p>
+          <a:p>
+            <a:pPr>
+              <a:spcBef>
+                <a:spcPts val="575"/>
+              </a:spcBef>
+              <a:buNone/>
+              <a:defRPr lang="fr-fr" cap="none">
+                <a:latin typeface="Courier 10 Pitch" pitchFamily="1" charset="0"/>
+                <a:ea typeface="Courier 10 Pitch" pitchFamily="1" charset="0"/>
+                <a:cs typeface="Courier 10 Pitch" pitchFamily="1" charset="0"/>
+              </a:defRPr>
+            </a:pPr>
+            <a:r>
+              <a:t>x.redraw();print("x: "+x);print("y: "+y);print("z: "+z)</a:t>
+            </a:r>
+          </a:p>
+          <a:p>
+            <a:pPr>
+              <a:spcBef>
+                <a:spcPts val="575"/>
+              </a:spcBef>
+              <a:buNone/>
+              <a:defRPr lang="fr-fr" cap="none">
+                <a:latin typeface="Courier 10 Pitch" pitchFamily="1" charset="0"/>
+                <a:ea typeface="Courier 10 Pitch" pitchFamily="1" charset="0"/>
+                <a:cs typeface="Courier 10 Pitch" pitchFamily="1" charset="0"/>
+              </a:defRPr>
+            </a:pPr>
+            <a:r>
+              <a:t>x.redraw();print("x: "+x);print("y: "+y);print("z: "+z)</a:t>
+            </a:r>
+          </a:p>
+          <a:p>
+            <a:pPr>
+              <a:spcBef>
+                <a:spcPts val="430"/>
+              </a:spcBef>
+              <a:buNone/>
+              <a:defRPr lang="fr-fr" cap="none">
+                <a:latin typeface="Courier 10 Pitch" pitchFamily="1" charset="0"/>
+                <a:ea typeface="Courier 10 Pitch" pitchFamily="1" charset="0"/>
+                <a:cs typeface="Courier 10 Pitch" pitchFamily="1" charset="0"/>
+              </a:defRPr>
+            </a:pPr>
+            <a:r>
+              <a:t>y.redraw()</a:t>
+            </a:r>
+          </a:p>
+          <a:p>
+            <a:pPr>
+              <a:spcBef>
+                <a:spcPts val="430"/>
+              </a:spcBef>
+              <a:buNone/>
+              <a:defRPr lang="fr-fr" cap="none">
+                <a:latin typeface="Courier 10 Pitch" pitchFamily="1" charset="0"/>
+                <a:ea typeface="Courier 10 Pitch" pitchFamily="1" charset="0"/>
+                <a:cs typeface="Courier 10 Pitch" pitchFamily="1" charset="0"/>
+              </a:defRPr>
+            </a:pPr>
+            <a:r>
+              <a:t>z.redraw()</a:t>
             </a:r>
           </a:p>
         </p:txBody>
@@ -6922,12 +6620,12 @@
       </p:grpSpPr>
       <p:sp>
         <p:nvSpPr>
-          <p:cNvPr id="2" name="Titre 1"/>
+          <p:cNvPr id="2" name="TitreDiapositive1"/>
           <p:cNvSpPr>
             <a:spLocks noGrp="1" noChangeArrowheads="1"/>
             <a:extLst>
               <a:ext uri="smNativeData">
-                <pr:smNativeData xmlns:pr="smNativeData" xmlns="smNativeData" val="SMDATA_15_iunWYhMAAAAlAAAAZAAAAA0AAAAAkAAAAEgAAACQAAAASAAAAAAAAAABAAAAAAAAAAEAAABQAAAAAAAAAAAA4D8AAAAAAADgPwAAAAAAAOA/AAAAAAAA4D8AAAAAAADgPwAAAAAAAOA/AAAAAAAA4D8AAAAAAADgPwAAAAAAAOA/AAAAAAAA4D8CAAAAjAAAAAAAAAAAAAAAT4G9DP///wgAAAAAAAAAAAAAAAAAAAAAAAAAAAAAAAAAAAAAZAAAAAEAAABAAAAAAAAAAAAAAAAAAAAAAAAAAAAAAAAAAAAAAAAAAAAAAAAAAAAAAAAAAAAAAAAAAAAAAAAAAAAAAAAAAAAAAAAAAAAAAAAAAAAAAAAAAAAAAAAAAAAAFAAAADwAAAAAAAAAAAAAAAAAAAkUAAAAAQAAABQAAAAUAAAAFAAAAAEAAAAAAAAAZAAAAGQAAAAAAAAAZAAAAGQAAAAVAAAAYAAAAAAAAAAAAAAADwAAACADAAAAAAAAAAAAAAEAAACgMgAAVgcAAKr4//8BAAAAf39/AAEAAABkAAAAAAAAABQAAABAHwAAAAAAACYAAAAAAAAAwOD//wAAAAAmAAAAZAAAABYAAABMAAAAAAAAAAAAAAAEAAAAAAAAAAEAAADu7OEKAAAAACgAAAAoAAAAZAAAAGQAAAAAAAAAzMzMAAAAAABQAAAAUAAAAGQAAABkAAAAAAAAABcAAAAUAAAAAAAAAAAAAAD/fwAA/38AAAAAAAAJAAAABAAAAAAAAAEeAAAAaAAAAAAAAAAAAAAAAAAAAAAAAAAAAAAAECcAABAnAAAAAAAAAAAAAAAAAAAAAAAAAAAAAAAAAAAAAAAAAAAAABQAAAAAAAAAwMD/AAAAAABkAAAAMgAAAAAAAABkAAAAAAAAAH9/fwAKAAAAIgAAABgAAAAAAAAAAAAAAAAAAAAAAAAAAAAAAAAAAAAkAAAAJAAAAAAAAAAHAAAAAAAAAAAAAAAAAAAAAAAAAAAAAAAAAAAAf39/ACUAAABYAAAAAAAAAAAAAAAAAAAAAAAAAAAAAAAAAAAAAAAAAAAAAAAAAAAAAAAAAAAAAAA/AAAAAAAAAKCGAQAAAAAAAAAAAAAAAAAMAAAAAQAAAAAAAAAAAAAAAAAAAB8AAABUAAAAT4G9Bf///wEAAAAAAAAAAAAAAAAAAAAAAAAAAAAAAAAAAAAAAAAAAAAAAAJ/f38A7uzhA8zMzADAwP8Af39/AAAAAAAAAAAAAAAAAAAAAAAAAAAAIQAAABgAAAAUAAAA0AIAALEBAABwNQAAuQgAABAAAAAmAAAACAAAAAAAAAAAAAAA"/>
+                <pr:smNativeData xmlns:pr="smNativeData" xmlns="smNativeData" val="SMDATA_15_0rbXYhMAAAAlAAAAZAAAAA0AAAAAkAAAAEgAAACQAAAASAAAAAAAAAABAAAAAAAAAAEAAABQAAAAAAAAAAAA4D8AAAAAAADgPwAAAAAAAOA/AAAAAAAA4D8AAAAAAADgPwAAAAAAAOA/AAAAAAAA4D8AAAAAAADgPwAAAAAAAOA/AAAAAAAA4D8CAAAAjAAAAAAAAAAAAAAAT4G9DP///wgAAAAAAAAAAAAAAAAAAAAAAAAAAAAAAAAAAAAAZAAAAAEAAABAAAAAAAAAAAAAAAAAAAAAAAAAAAAAAAAAAAAAAAAAAAAAAAAAAAAAAAAAAAAAAAAAAAAAAAAAAAAAAAAAAAAAAAAAAAAAAAAAAAAAAAAAAAAAAAAAAAAAFAAAADwAAAAAAAAAAAAAAAAAAAkUAAAAAQAAABQAAAAUAAAAFAAAAAEAAAAAAAAAZAAAAGQAAAAAAAAAZAAAAGQAAAAVAAAAYAAAAAAAAAAAAAAADwAAACADAAAAAAAAAAAAAAEAAACgMgAAVgcAAKr4//8BAAAAf39/AAEAAABkAAAAAAAAABQAAABAHwAAAAAAACYAAAAAAAAAwOD//wAAAAAmAAAAZAAAABYAAABMAAAAAAAAAAAAAAAEAAAAAAAAAAEAAADu7OEKAAAAACgAAAAoAAAAZAAAAGQAAAAAAAAAzMzMAAAAAABQAAAAUAAAAGQAAABkAAAAAAAAABcAAAAUAAAAAAAAAAAAAAD/fwAA/38AAAAAAAAJAAAABAAAAAAAAAEeAAAAaAAAAAAAAAAAAAAAAAAAAAAAAAAAAAAAECcAABAnAAAAAAAAAAAAAAAAAAAAAAAAAAAAAAAAAAAAAAAAAAAAABQAAAAAAAAAwMD/AAAAAABkAAAAMgAAAAAAAABkAAAAAAAAAH9/fwAKAAAAIgAAABgAAAAAAAAAAAAAAAAAAAAAAAAAAAAAAAAAAAAkAAAAJAAAAAAAAAAHAAAAAAAAAAAAAAAAAAAAAAAAAAAAAAAAAAAAf39/ACUAAABYAAAAAAAAAAAAAAAAAAAAAAAAAAAAAAAAAAAAAAAAAAAAAAAAAAAAAAAAAAAAAAA/AAAAAAAAAKCGAQAAAAAAAAAAAAAAAAAMAAAAAQAAAAAAAAAAAAAAAAAAAB8AAABUAAAAT4G9Bf///wEAAAAAAAAAAAAAAAAAAAAAAAAAAAAAAAAAAAAAAAAAAAAAAAJ/f38A7uzhA8zMzADAwP8Af39/AAAAAAAAAAAAAAAAAAAAAAAAAAAAIQAAABgAAAAUAAAA0AIAALEBAABwNQAAuQgAABAAAAAmAAAACAAAAAAAAAAAAAAA"/>
               </a:ext>
             </a:extLst>
           </p:cNvSpPr>
@@ -6944,19 +6642,19 @@
               <a:defRPr lang="fr-fr"/>
             </a:pPr>
             <a:r>
-              <a:t>Variable declaration in Rev</a:t>
+              <a:t>Let’s explore the variable types</a:t>
             </a:r>
           </a:p>
         </p:txBody>
       </p:sp>
       <p:sp>
         <p:nvSpPr>
-          <p:cNvPr id="3" name="Espace réservé du contenu 2"/>
+          <p:cNvPr id="3" name="TexteDiapositive1"/>
           <p:cNvSpPr>
             <a:spLocks noGrp="1" noChangeArrowheads="1"/>
             <a:extLst>
               <a:ext uri="smNativeData">
-                <pr:smNativeData xmlns:pr="smNativeData" xmlns="smNativeData" val="SMDATA_15_iunWYhMAAAAlAAAAZAAAAA0AAAAAkAAAAEgAAACQAAAASAAAAAAAAAAAAAAAAAAAAAEAAABQAAAAAAAAAAAA4D8AAAAAAADgPwAAAAAAAOA/AAAAAAAA4D8AAAAAAADgPwAAAAAAAOA/AAAAAAAA4D8AAAAAAADgPwAAAAAAAOA/AAAAAAAA4D8CAAAAjAAAAAAAAAAAAAAAT4G9DP///wgAAAAAAAAAAAAAAAAAAAAAAAAAAAAAAAAAAAAAZAAAAAEAAABAAAAAAAAAAAAAAAAAAAAAAAAAAAAAAAAAAAAAAAAAAAAAAAAAAAAAAAAAAAAAAAAAAAAAAAAAAAAAAAAAAAAAAAAAAAAAAAAAAAAAAAAAAAAAAAAAAAAAFAAAADwAAAAAAAAAAAAAAAAAAAkUAAAAAQAAABQAAAAUAAAAFAAAAAEAAAAAAAAAZAAAAGQAAAAAAAAAZAAAAGQAAAAVAAAAYAAAAAAAAAAAAAAADwAAACADAAAAAAAAAAAAAAEAAACgMgAAVgcAAKr4//8BAAAAf39/AAEAAABkAAAAAAAAABQAAABAHwAAAAAAACYAAAAAAAAAwOD//wAAAAAmAAAAZAAAABYAAABMAAAAAAAAAAAAAAAEAAAAAAAAAAEAAADu7OEKAAAAACgAAAAoAAAAZAAAAGQAAAAAAAAAzMzMAAAAAABQAAAAUAAAAGQAAABkAAAAAAAAABcAAAAUAAAAAAAAAAAAAAD/fwAA/38AAAAAAAAJAAAABAAAAAAAAAEeAAAAaAAAAAAAAAAAAAAAAAAAAAAAAAAAAAAAECcAABAnAAAAAAAAAAAAAAAAAAAAAAAAAAAAAAAAAAAAAAAAAAAAABQAAAAAAAAAwMD/AAAAAABkAAAAMgAAAAAAAABkAAAAAAAAAH9/fwAKAAAAIgAAABgAAAAAAAAAAAAAAAAAAAAAAAAAAAAAAAAAAAAkAAAAJAAAAAAAAAAHAAAAAAAAAAAAAAAAAAAAAAAAAAAAAAAAAAAAf39/ACUAAABYAAAAAAAAAAAAAAAAAAAAAAAAAAAAAAAAAAAAAAAAAAAAAAAAAAAAAAAAAAAAAAA/AAAAAAAAAKCGAQAAAAAAAAAAAAAAAAAMAAAAAQAAAAAAAAAAAAAAAAAAAB8AAABUAAAAT4G9Bf///wEAAAAAAAAAAAAAAAAAAAAAAAAAAAAAAAAAAAAAAAAAAAAAAAJ/f38A7uzhA8zMzADAwP8Af39/AAAAAAAAAAAAAAAAAAAAAAAAAAAAIQAAABgAAAAUAAAA0AIAANgJAAA8NwAAsCUAABAAAAAmAAAACAAAAAEAAAAAAAAA"/>
+                <pr:smNativeData xmlns:pr="smNativeData" xmlns="smNativeData" val="SMDATA_15_0rbXYhMAAAAlAAAAZAAAAA0AAAAAkAAAAEgAAACQAAAASAAAAAAAAAAAAAAAAAAAAAEAAABQAAAAAAAAAAAA4D8AAAAAAADgPwAAAAAAAOA/AAAAAAAA4D8AAAAAAADgPwAAAAAAAOA/AAAAAAAA4D8AAAAAAADgPwAAAAAAAOA/AAAAAAAA4D8CAAAAjAAAAAAAAAAAAAAAT4G9DP///wgAAAAAAAAAAAAAAAAAAAAAAAAAAAAAAAAAAAAAZAAAAAEAAABAAAAAAAAAAAAAAAAAAAAAAAAAAAAAAAAAAAAAAAAAAAAAAAAAAAAAAAAAAAAAAAAAAAAAAAAAAAAAAAAAAAAAAAAAAAAAAAAAAAAAAAAAAAAAAAAAAAAAFAAAADwAAAAAAAAAAAAAAAAAAAkUAAAAAQAAABQAAAAUAAAAFAAAAAEAAAAAAAAAZAAAAGQAAAAAAAAAZAAAAGQAAAAVAAAAYAAAAAAAAAAAAAAADwAAACADAAAAAAAAAAAAAAEAAACgMgAAVgcAAKr4//8BAAAAf39/AAEAAABkAAAAAAAAABQAAABAHwAAAAAAACYAAAAAAAAAwOD//wAAAAAmAAAAZAAAABYAAABMAAAAAAAAAAAAAAAEAAAAAAAAAAEAAADu7OEKAAAAACgAAAAoAAAAZAAAAGQAAAAAAAAAzMzMAAAAAABQAAAAUAAAAGQAAABkAAAAAAAAABcAAAAUAAAAAAAAAAAAAAD/fwAA/38AAAAAAAAJAAAABAAAAAAAAAEeAAAAaAAAAAAAAAAAAAAAAAAAAAAAAAAAAAAAECcAABAnAAAAAAAAAAAAAAAAAAAAAAAAAAAAAAAAAAAAAAAAAAAAABQAAAAAAAAAwMD/AAAAAABkAAAAMgAAAAAAAABkAAAAAAAAAH9/fwAKAAAAIgAAABgAAAAAAAAAAAAAAAAAAAAAAAAAAAAAAAAAAAAkAAAAJAAAAAAAAAAHAAAAAAAAAAAAAAAAAAAAAAAAAAAAAAAAAAAAf39/ACUAAABYAAAAAAAAAAAAAAAAAAAAAAAAAAAAAAAAAAAAAAAAAAAAAAAAAAAAAAAAAAAAAAA/AAAAAAAAAKCGAQAAAAAAAAAAAAAAAAAMAAAAAQAAAAAAAAAAAAAAAAAAAB8AAABUAAAAT4G9Bf///wEAAAAAAAAAAAAAAAAAAAAAAAAAAAAAAAAAAAAAAAAAAAAAAAJ/f38A7uzhA8zMzADAwP8Af39/AAAAAAAAAAAAAAAAAAAAAAAAAAAAIQAAABgAAAAUAAAA0AIAANgJAABwNQAA2iAAABAAAAAmAAAACAAAAAEAAAAAAAAA"/>
               </a:ext>
             </a:extLst>
           </p:cNvSpPr>
@@ -6967,109 +6665,184 @@
         <p:spPr>
           <a:xfrm>
             <a:off x="457200" y="1600200"/>
-            <a:ext cx="8521700" cy="4526280"/>
+            <a:ext cx="8229600" cy="3740150"/>
           </a:xfrm>
         </p:spPr>
         <p:txBody>
           <a:bodyPr/>
           <a:lstStyle/>
           <a:p>
-            <a:pPr>
-              <a:defRPr lang="fr-fr"/>
-            </a:pPr>
-            <a:r>
-              <a:t>2 main types of variables:</a:t>
-            </a:r>
-          </a:p>
-          <a:p>
-            <a:pPr lvl="1">
-              <a:defRPr lang="fr-fr"/>
-            </a:pPr>
-            <a:r>
-              <a:t>Environment variable: 			</a:t>
-            </a:r>
-            <a:r>
-              <a:rPr lang="fr-fr" sz="2400" cap="none"/>
-              <a:t>name = « MyAnalysis »</a:t>
-            </a:r>
-            <a:endParaRPr lang="fr-fr" sz="2400" cap="none"/>
-          </a:p>
-          <a:p>
-            <a:pPr lvl="1">
-              <a:defRPr lang="fr-fr"/>
-            </a:pPr>
-            <a:r>
-              <a:t>Model variables:</a:t>
-            </a:r>
-          </a:p>
-          <a:p>
-            <a:pPr lvl="2">
-              <a:defRPr lang="fr-fr"/>
-            </a:pPr>
-            <a:r>
-              <a:t>Constant variable:				c &lt;- 1 </a:t>
-            </a:r>
-          </a:p>
-          <a:p>
-            <a:pPr lvl="2">
-              <a:defRPr lang="fr-fr"/>
-            </a:pPr>
-            <a:r>
-              <a:t>Deterministic variable:  			d := exp(c)</a:t>
-            </a:r>
-          </a:p>
-          <a:p>
-            <a:pPr lvl="2">
-              <a:defRPr lang="fr-fr"/>
-            </a:pPr>
-            <a:r>
-              <a:t>Stochastic variable:				x ~ dnExponential(c) </a:t>
-            </a:r>
-          </a:p>
-          <a:p>
-            <a:pPr lvl="1">
-              <a:defRPr lang="fr-fr"/>
-            </a:pPr>
-          </a:p>
-          <a:p>
-            <a:pPr lvl="1">
-              <a:defRPr lang="fr-fr"/>
-            </a:pPr>
-            <a:r>
-              <a:t>More fun with stochastic variables:</a:t>
-            </a:r>
-          </a:p>
-          <a:p>
-            <a:pPr lvl="2">
+            <a:pPr marL="0" indent="0">
+              <a:spcBef>
+                <a:spcPts val="575"/>
+              </a:spcBef>
               <a:buNone/>
-              <a:defRPr lang="fr-fr"/>
-            </a:pPr>
+              <a:defRPr lang="fr-fr" sz="1800" cap="none">
+                <a:latin typeface="Courier 10 Pitch" pitchFamily="1" charset="0"/>
+                <a:ea typeface="Courier 10 Pitch" pitchFamily="1" charset="0"/>
+                <a:cs typeface="Courier 10 Pitch" pitchFamily="1" charset="0"/>
+              </a:defRPr>
+            </a:pPr>
+            <a:r>
+              <a:t>a&lt;-1</a:t>
+            </a:r>
+          </a:p>
+          <a:p>
+            <a:pPr marL="0" indent="0">
+              <a:spcBef>
+                <a:spcPts val="575"/>
+              </a:spcBef>
+              <a:buNone/>
+              <a:defRPr lang="fr-fr" sz="1800" cap="none">
+                <a:latin typeface="Courier 10 Pitch" pitchFamily="1" charset="0"/>
+                <a:ea typeface="Courier 10 Pitch" pitchFamily="1" charset="0"/>
+                <a:cs typeface="Courier 10 Pitch" pitchFamily="1" charset="0"/>
+              </a:defRPr>
+            </a:pPr>
+            <a:r>
+              <a:t>b&lt;-2</a:t>
+            </a:r>
+          </a:p>
+          <a:p>
+            <a:pPr marL="0" indent="0">
+              <a:spcBef>
+                <a:spcPts val="575"/>
+              </a:spcBef>
+              <a:buNone/>
+              <a:defRPr lang="fr-fr" sz="1800" cap="none">
+                <a:latin typeface="Courier 10 Pitch" pitchFamily="1" charset="0"/>
+                <a:ea typeface="Courier 10 Pitch" pitchFamily="1" charset="0"/>
+                <a:cs typeface="Courier 10 Pitch" pitchFamily="1" charset="0"/>
+              </a:defRPr>
+            </a:pPr>
+            <a:r>
+              <a:t>x~dnNormal(mean=a,sd=b)</a:t>
+            </a:r>
+          </a:p>
+          <a:p>
+            <a:pPr marL="0" indent="0">
+              <a:spcBef>
+                <a:spcPts val="575"/>
+              </a:spcBef>
+              <a:buNone/>
+              <a:defRPr lang="fr-fr" sz="1800" cap="none">
+                <a:latin typeface="Courier 10 Pitch" pitchFamily="1" charset="0"/>
+                <a:ea typeface="Courier 10 Pitch" pitchFamily="1" charset="0"/>
+                <a:cs typeface="Courier 10 Pitch" pitchFamily="1" charset="0"/>
+              </a:defRPr>
+            </a:pPr>
+            <a:r>
+              <a:t>print(x)</a:t>
+            </a:r>
+          </a:p>
+          <a:p>
+            <a:pPr marL="0" indent="0">
+              <a:spcBef>
+                <a:spcPts val="575"/>
+              </a:spcBef>
+              <a:buNone/>
+              <a:defRPr lang="fr-fr" sz="1800" cap="none">
+                <a:latin typeface="Courier 10 Pitch" pitchFamily="1" charset="0"/>
+                <a:ea typeface="Courier 10 Pitch" pitchFamily="1" charset="0"/>
+                <a:cs typeface="Courier 10 Pitch" pitchFamily="1" charset="0"/>
+              </a:defRPr>
+            </a:pPr>
+            <a:r>
+              <a:t>y:=x*x</a:t>
+            </a:r>
+          </a:p>
+          <a:p>
+            <a:pPr marL="0" indent="0">
+              <a:spcBef>
+                <a:spcPts val="575"/>
+              </a:spcBef>
+              <a:buNone/>
+              <a:defRPr lang="fr-fr" sz="1800" cap="none">
+                <a:latin typeface="Courier 10 Pitch" pitchFamily="1" charset="0"/>
+                <a:ea typeface="Courier 10 Pitch" pitchFamily="1" charset="0"/>
+                <a:cs typeface="Courier 10 Pitch" pitchFamily="1" charset="0"/>
+              </a:defRPr>
+            </a:pPr>
+            <a:r>
+              <a:t>z&lt;-x*x</a:t>
+            </a:r>
+          </a:p>
+          <a:p>
+            <a:pPr marL="0" indent="0">
+              <a:spcBef>
+                <a:spcPts val="575"/>
+              </a:spcBef>
+              <a:buNone/>
+              <a:defRPr lang="fr-fr" sz="1800" cap="none">
+                <a:latin typeface="Courier 10 Pitch" pitchFamily="1" charset="0"/>
+                <a:ea typeface="Courier 10 Pitch" pitchFamily="1" charset="0"/>
+                <a:cs typeface="Courier 10 Pitch" pitchFamily="1" charset="0"/>
+              </a:defRPr>
+            </a:pPr>
+            <a:r>
+              <a:t>x.redraw();print("x: "+x);print("y: "+y);print("z: "+z)</a:t>
+            </a:r>
+          </a:p>
+          <a:p>
+            <a:pPr marL="0" indent="0">
+              <a:spcBef>
+                <a:spcPts val="575"/>
+              </a:spcBef>
+              <a:buNone/>
+              <a:defRPr lang="fr-fr" sz="1800" cap="none">
+                <a:latin typeface="Courier 10 Pitch" pitchFamily="1" charset="0"/>
+                <a:ea typeface="Courier 10 Pitch" pitchFamily="1" charset="0"/>
+                <a:cs typeface="Courier 10 Pitch" pitchFamily="1" charset="0"/>
+              </a:defRPr>
+            </a:pPr>
+            <a:r>
+              <a:t>x.redraw();print("x: "+x);print("y: "+y);print("z: "+z)</a:t>
+            </a:r>
+          </a:p>
+          <a:p>
+            <a:pPr marL="0" indent="0">
+              <a:buNone/>
+              <a:defRPr lang="fr-fr" sz="1800" cap="none">
+                <a:latin typeface="Courier 10 Pitch" pitchFamily="1" charset="0"/>
+                <a:ea typeface="Courier 10 Pitch" pitchFamily="1" charset="0"/>
+                <a:cs typeface="Courier 10 Pitch" pitchFamily="1" charset="0"/>
+              </a:defRPr>
+            </a:pPr>
+            <a:r>
+              <a:t>y.redraw()</a:t>
+            </a:r>
+          </a:p>
+          <a:p>
+            <a:pPr marL="0" indent="0">
+              <a:buNone/>
+              <a:defRPr lang="fr-fr" sz="1800" cap="none">
+                <a:latin typeface="Courier 10 Pitch" pitchFamily="1" charset="0"/>
+                <a:ea typeface="Courier 10 Pitch" pitchFamily="1" charset="0"/>
+                <a:cs typeface="Courier 10 Pitch" pitchFamily="1" charset="0"/>
+              </a:defRPr>
+            </a:pPr>
+            <a:r>
+              <a:t>z.redraw()</a:t>
+            </a:r>
           </a:p>
         </p:txBody>
       </p:sp>
-      <p:pic>
-        <p:nvPicPr>
-          <p:cNvPr id="4" name="Image 3"/>
-          <p:cNvPicPr>
-            <a:picLocks noChangeAspect="1"/>
-            <a:extLst>
-              <a:ext uri="smNativeData">
-                <pr:smNativeData xmlns:pr="smNativeData" xmlns="smNativeData" val="SMDATA_17_iunWYhMAAAAlAAAAEQAAAC0AAAAAkAAAAEgAAACQAAAASAAAAAAAAAAAAAAAAAAAAAEAAABQAAAAAAAAAAAA4D8AAAAAAADgPwAAAAAAAOA/AAAAAAAA4D8AAAAAAADgPwAAAAAAAOA/AAAAAAAA4D8AAAAAAADgPwAAAAAAAOA/AAAAAAAA4D8CAAAAjAAAAAAAAAAAAAAAT4G9DP///wgAAAAAAAAAAAAAAAAAAAAAAAAAAAAAAAAAAAAAZAAAAAEAAABAAAAAAAAAAAAAAAAAAAAAAAAAAAAAAAAAAAAAAAAAAAAAAAAAAAAAAAAAAAAAAAAAAAAAAAAAAAAAAAAAAAAAAAAAAAAAAAAAAAAAAAAAAAAAAAAAAAAAFAAAADwAAAAAAAAAAAAAAAAAAAkUAAAAAQAAABQAAAAUAAAAFAAAAAEAAAAAAAAAZAAAAGQAAAAAAAAAZAAAAGQAAAAVAAAAYAAAAAAAAAAAAAAADwAAACADAAAAAAAAAAAAAAEAAACgMgAAVgcAAKr4//8BAAAAf39/AAEAAABkAAAAAAAAABQAAABAHwAAAAAAACYAAAAAAAAAwOD//wAAAAAmAAAAZAAAABYAAABMAAAAAAAAAAAAAAAEAAAAAAAAAAEAAADu7OEKAAAAACgAAAAoAAAAZAAAAGQAAAAAAAAAzMzMAAAAAABQAAAAUAAAAGQAAABkAAAAAAAAAAcAAAA4AAAAAAAAAAAAAAAAAAAA////AAAAAAAAAAAAAAAAAAAAAAAAAAAAAAAAAAAAAABkAAAAZAAAAAAAAAAjAAAABAAAAGQAAAAXAAAAFAAAAAAAAAAAAAAA/38AAP9/AAAAAAAACQAAAAQAAAAAAAABHgAAAGgAAAAAAAAAAAAAAAAAAAAAAAAAAAAAABAnAAAQJwAAAAAAAAAAAAAAAAAAAAAAAAAAAAAAAAAAAAAAAAAAAAAUAAAAAAAAAMDA/wAAAAAAZAAAADIAAAAAAAAAZAAAAAAAAAB/f38ACgAAACIAAAAYAAAAAAAAAAAAAAAAAAAAAAAAAAAAAAAAAAAAJAAAACQAAAAAAAAABwAAAAAAAAAAAAAAAAAAAAAAAAAAAAAAAAAAAH9/fwAlAAAAWAAAAAAAAAAAAAAAAAAAAAAAAAAAAAAAAAAAAAAAAAAAAAAAAAAAAAAAAAAAAAAAPwAAAAAAAACghgEAAAAAAAAAAAAAAAAADAAAAAEAAAAAAAAAAAAAAAAAAAAfAAAAVAAAAE+BvQX///8BAAAAAAAAAAAAAAAAAAAAAAAAAAAAAAAAAAAAAAAAAAAAAAACf39/AO7s4QPMzMwAwMD/AH9/fwAAAAAAAAAAAAAAAAD///8AAAAAACEAAAAYAAAAFAAAAAAAAAD1IQAAQDgAAOkpAAAQAAAAJgAAAAgAAAD//////////w=="/>
-              </a:ext>
-            </a:extLst>
-          </p:cNvPicPr>
+      <p:sp>
+        <p:nvSpPr>
+          <p:cNvPr id="4" name="CadreTexte2"/>
+          <p:cNvSpPr txBox="1">
+            <a:extLst>
+              <a:ext uri="smNativeData">
+                <pr:smNativeData xmlns:pr="smNativeData" xmlns="smNativeData" val="SMDATA_15_0rbXYhMAAAAlAAAAEgAAAE8BAAAAkAAAAEgAAACQAAAASAAAAAAAAAAAAAAAAAAAAAEAAABQAAAAAAAAAAAA4D8AAAAAAADgPwAAAAAAAOA/AAAAAAAA4D8AAAAAAADgPwAAAAAAAOA/AAAAAAAA4D8AAAAAAADgPwAAAAAAAOA/AAAAAAAA4D8CAAAAjAAAAAAAAAAAAAAAT4G9DP///wgAAAAAAAAAAAAAAAAAAAAAAAAAAAAAAAAAAAAAZAAAAAEAAABAAAAAAAAAAAAAAAAAAAAAAAAAAAAAAAAAAAAAAAAAAAAAAAAAAAAAAAAAAAAAAAAAAAAAAAAAAAAAAAAAAAAAAAAAAAAAAAAAAAAAAAAAAAAAAAAAAAAAFAAAADwAAAAAAAAAAAAAAAAAAAkUAAAAAQAAABQAAAAUAAAAFAAAAAEAAAAAAAAAZAAAAGQAAAAAAAAAZAAAAGQAAAAVAAAAYAAAAAAAAAAAAAAADwAAACADAAAAAAAAAAAAAAEAAACgMgAAVgcAAKr4//8BAAAAf39/AAEAAABkAAAAAAAAABQAAABAHwAAAAAAACYAAAAAAAAAwOD//wAAAAAmAAAAZAAAABYAAABMAAAAAAAAAAAAAAAEAAAAAAAAAAEAAADu7OEKAAAAACgAAAAoAAAAZAAAAGQAAAAAAAAAzMzMAAAAAABQAAAAUAAAAGQAAABkAAAAAAAAABcAAAAUAAAAAAAAAGMEAAD/fwAA/38AAAAAAAAJAAAABAAAAD7o2aweAAAAaAAAAAAAAAAAAAAAAAAAAAAAAAAAAAAAECcAABAnAAAAAAAAAAAAAAAAAAAAAAAAAAAAAAAAAAAAAAAAAAAAABQAAAAAAAAAwMD/AAAAAABkAAAAMgAAAAAAAABkAAAAAAAAAH9/fwAKAAAAIgAAABgAAAAAAAAAAAAAAAAAAAAAAAAAAAAAAAAAAAAkAAAAJAAAAAAAAAAHAAAAAAAAAAAAAAAAAAAAAAAAAAAAAAAAAAAAf39/ACUAAABYAAAAAAAAAAAAAAAAAAAAAAAAAAAAAAAAAAAAAAAAAAAAAAAAAAAAAAAAAAAAAAA/AAAAAAAAAKCGAQAAAAAAAAAAAAAAAAAMAAAAAQAAAAAAAAAAAAAAAAAAAB8AAABUAAAAT4G9Bf///wEAAAAAAAAAAAAAAAAAAAAAAAAAAAAAAAAAAAAAAAAAAAAAAAJ/f38A7uzhA8zMzADAwP8Af39/AAAAAAAAAAAAAAAAAAAAAAAAAAAAIQAAABgAAAAUAAAAQwsAAIcJAAAaFQAAxwsAABAgAAAmAAAACAAAAP//////////"/>
+              </a:ext>
+            </a:extLst>
+          </p:cNvSpPr>
           <p:nvPr/>
-        </p:nvPicPr>
-        <p:blipFill>
-          <a:blip r:embed="rId2"/>
-          <a:stretch>
-            <a:fillRect/>
-          </a:stretch>
-        </p:blipFill>
+        </p:nvSpPr>
         <p:spPr>
           <a:xfrm>
-            <a:off x="0" y="5520055"/>
-            <a:ext cx="9144000" cy="1292860"/>
+            <a:off x="1830705" y="1548765"/>
+            <a:ext cx="1599565" cy="365760"/>
           </a:xfrm>
           <a:prstGeom prst="rect">
             <a:avLst/>
@@ -7080,30 +6853,39 @@
           </a:ln>
           <a:effectLst/>
         </p:spPr>
-      </p:pic>
-      <p:pic>
-        <p:nvPicPr>
-          <p:cNvPr id="5" name="Image 4"/>
-          <p:cNvPicPr>
-            <a:picLocks noChangeAspect="1"/>
-            <a:extLst>
-              <a:ext uri="smNativeData">
-                <pr:smNativeData xmlns:pr="smNativeData" xmlns="smNativeData" val="SMDATA_17_iunWYhMAAAAlAAAAEQAAAC0AAAAAkAAAAEgAAACQAAAASAAAAAAAAAAAAAAAAAAAAAEAAABQAAAAAAAAAAAA4D8AAAAAAADgPwAAAAAAAOA/AAAAAAAA4D8AAAAAAADgPwAAAAAAAOA/AAAAAAAA4D8AAAAAAADgPwAAAAAAAOA/AAAAAAAA4D8CAAAAjAAAAAAAAAAAAAAAT4G9DP///wgAAAAAAAAAAAAAAAAAAAAAAAAAAAAAAAAAAAAAZAAAAAEAAABAAAAAAAAAAAAAAAAAAAAAAAAAAAAAAAAAAAAAAAAAAAAAAAAAAAAAAAAAAAAAAAAAAAAAAAAAAAAAAAAAAAAAAAAAAAAAAAAAAAAAAAAAAAAAAAAAAAAAFAAAADwAAAAAAAAAAAAAAAAAAAkUAAAAAQAAABQAAAAUAAAAFAAAAAEAAAAAAAAAZAAAAGQAAAAAAAAAZAAAAGQAAAAVAAAAYAAAAAAAAAAAAAAADwAAACADAAAAAAAAAAAAAAEAAACgMgAAVgcAAKr4//8BAAAAf39/AAEAAABkAAAAAAAAABQAAABAHwAAAAAAACYAAAAAAAAAwOD//wAAAAAmAAAAZAAAABYAAABMAAAAAAAAAAAAAAAEAAAAAAAAAAEAAADu7OEKAAAAACgAAAAoAAAAZAAAAGQAAAAAAAAAzMzMAAAAAABQAAAAUAAAAGQAAABkAAAAAAAAAAcAAAA4AAAAAAAAAAAAAAAAAAAA////AAAAAAAAAAAAAAAAAAAAAAAAAAAAAAAAAAAAAABkAAAAZAAAAAAAAAAjAAAABAAAAGQAAAAXAAAAFAAAAAAAAAAAAAAA/38AAP9/AAAAAAAACQAAAAQAAAAAAAAAHgAAAGgAAAAAAAAAAAAAAAAAAAAAAAAAAAAAABAnAAAQJwAAAAAAAAAAAAAAAAAAAAAAAAAAAAAAAAAAAAAAAAAAAAAUAAAAAAAAAMDA/wAAAAAAZAAAADIAAAAAAAAAZAAAAAAAAAB/f38ACgAAACIAAAAYAAAAAAAAAAAAAAAAAAAAAAAAAAAAAAAAAAAAJAAAACQAAAAAAAAABwAAAAAAAAAAAAAAAAAAAAAAAAAAAAAAAAAAAH9/fwAlAAAAWAAAAAAAAAAAAAAAAAAAAAAAAAAAAAAAAAAAAAAAAAAAAAAAAAAAAAAAAAAAAAAAPwAAAAAAAACghgEAAAAAAAAAAAAAAAAADAAAAAEAAAAAAAAAAAAAAAAAAAAfAAAAVAAAAE+BvQX///8BAAAAAAAAAAAAAAAAAAAAAAAAAAAAAAAAAAAAAAAAAAAAAAACf39/AO7s4QPMzMwAwMD/AH9/fwAAAAAAAAAAAAAAAAD///8AAAAAACEAAAAYAAAAFAAAAJQHAACcEwAAUAoAAJQWAAAQAAAAJgAAAAgAAAD//////////w=="/>
-              </a:ext>
-            </a:extLst>
-          </p:cNvPicPr>
+        <p:txBody>
+          <a:bodyPr vert="horz" wrap="square" numCol="1" spcCol="215900" anchor="t"/>
+          <a:lstStyle/>
+          <a:p>
+            <a:pPr>
+              <a:defRPr lang="fr-fr" i="1" cap="none">
+                <a:solidFill>
+                  <a:srgbClr val="999999"/>
+                </a:solidFill>
+              </a:defRPr>
+            </a:pPr>
+            <a:r>
+              <a:t>Constant node</a:t>
+            </a:r>
+          </a:p>
+        </p:txBody>
+      </p:sp>
+      <p:sp>
+        <p:nvSpPr>
+          <p:cNvPr id="5" name="CadreTexte3"/>
+          <p:cNvSpPr txBox="1">
+            <a:extLst>
+              <a:ext uri="smNativeData">
+                <pr:smNativeData xmlns:pr="smNativeData" xmlns="smNativeData" val="SMDATA_15_0rbXYhMAAAAlAAAAEgAAAE8BAAAAkAAAAEgAAACQAAAASAAAAAAAAAAAAAAAAAAAAAEAAABQAAAAAAAAAAAA4D8AAAAAAADgPwAAAAAAAOA/AAAAAAAA4D8AAAAAAADgPwAAAAAAAOA/AAAAAAAA4D8AAAAAAADgPwAAAAAAAOA/AAAAAAAA4D8CAAAAjAAAAAAAAAAAAAAAT4G9DP///wgAAAAAAAAAAAAAAAAAAAAAAAAAAAAAAAAAAAAAZAAAAAEAAABAAAAAAAAAAAAAAAAAAAAAAAAAAAAAAAAAAAAAAAAAAAAAAAAAAAAAAAAAAAAAAAAAAAAAAAAAAAAAAAAAAAAAAAAAAAAAAAAAAAAAAAAAAAAAAAAAAAAAFAAAADwAAAAAAAAAAAAAAAAAAAkUAAAAAQAAABQAAAAUAAAAFAAAAAEAAAAAAAAAZAAAAGQAAAAAAAAAZAAAAGQAAAAVAAAAYAAAAAAAAAAAAAAADwAAACADAAAAAAAAAAAAAAEAAACgMgAAVgcAAKr4//8BAAAAf39/AAEAAABkAAAAAAAAABQAAABAHwAAAAAAACYAAAAAAAAAwOD//wAAAAAmAAAAZAAAABYAAABMAAAAAAAAAAAAAAAEAAAAAAAAAAEAAADu7OEKAAAAACgAAAAoAAAAZAAAAGQAAAAAAAAAzMzMAAAAAABQAAAAUAAAAGQAAABkAAAAAAAAABcAAAAUAAAAAAAAAGMEAAD/fwAA/38AAAAAAAAJAAAABAAAAC8AAAAeAAAAaAAAAAAAAAAAAAAAAAAAAAAAAAAAAAAAECcAABAnAAAAAAAAAAAAAAAAAAAAAAAAAAAAAAAAAAAAAAAAAAAAABQAAAAAAAAAwMD/AAAAAABkAAAAMgAAAAAAAABkAAAAAAAAAH9/fwAKAAAAIgAAABgAAAAAAAAAAAAAAAAAAAAAAAAAAAAAAAAAAAAkAAAAJAAAAAAAAAAHAAAAAAAAAAAAAAAAAAAAAAAAAAAAAAAAAAAAf39/ACUAAABYAAAAAAAAAAAAAAAAAAAAAAAAAAAAAAAAAAAAAAAAAAAAAAAAAAAAAAAAAAAAAAA/AAAAAAAAAKCGAQAAAAAAAAAAAAAAAAAMAAAAAQAAAAAAAAAAAAAAAAAAAB8AAABUAAAAT4G9Bf///wEAAAAAAAAAAAAAAAAAAAAAAAAAAAAAAAAAAAAAAAAAAAAAAAJ/f38A7uzhA8zMzADAwP8Af39/AAAAAAAAAAAAAAAAAAAAAAAAAAAAIQAAABgAAAAUAAAAZAsAAM4LAAA7FQAADg4AABAgAAAmAAAACAAAAP//////////"/>
+              </a:ext>
+            </a:extLst>
+          </p:cNvSpPr>
           <p:nvPr/>
-        </p:nvPicPr>
-        <p:blipFill>
-          <a:blip r:embed="rId3"/>
-          <a:stretch>
-            <a:fillRect/>
-          </a:stretch>
-        </p:blipFill>
+        </p:nvSpPr>
         <p:spPr>
           <a:xfrm>
-            <a:off x="1231900" y="3187700"/>
-            <a:ext cx="444500" cy="482600"/>
+            <a:off x="1851660" y="1918970"/>
+            <a:ext cx="1599565" cy="365760"/>
           </a:xfrm>
           <a:prstGeom prst="rect">
             <a:avLst/>
@@ -7114,30 +6896,39 @@
           </a:ln>
           <a:effectLst/>
         </p:spPr>
-      </p:pic>
-      <p:pic>
-        <p:nvPicPr>
-          <p:cNvPr id="6" name="Image 5"/>
-          <p:cNvPicPr>
-            <a:picLocks noChangeAspect="1"/>
-            <a:extLst>
-              <a:ext uri="smNativeData">
-                <pr:smNativeData xmlns:pr="smNativeData" xmlns="smNativeData" val="SMDATA_17_iunWYhMAAAAlAAAAEQAAAC0AAAAAkAAAAEgAAACQAAAASAAAAAAAAAAAAAAAAAAAAAEAAABQAAAAAAAAAAAA4D8AAAAAAADgPwAAAAAAAOA/AAAAAAAA4D8AAAAAAADgPwAAAAAAAOA/AAAAAAAA4D8AAAAAAADgPwAAAAAAAOA/AAAAAAAA4D8CAAAAjAAAAAAAAAAAAAAAT4G9DP///wgAAAAAAAAAAAAAAAAAAAAAAAAAAAAAAAAAAAAAZAAAAAEAAABAAAAAAAAAAAAAAAAAAAAAAAAAAAAAAAAAAAAAAAAAAAAAAAAAAAAAAAAAAAAAAAAAAAAAAAAAAAAAAAAAAAAAAAAAAAAAAAAAAAAAAAAAAAAAAAAAAAAAFAAAADwAAAAAAAAAAAAAAAAAAAkUAAAAAQAAABQAAAAUAAAAFAAAAAEAAAAAAAAAZAAAAGQAAAAAAAAAZAAAAGQAAAAVAAAAYAAAAAAAAAAAAAAADwAAACADAAAAAAAAAAAAAAEAAACgMgAAVgcAAKr4//8BAAAAf39/AAEAAABkAAAAAAAAABQAAABAHwAAAAAAACYAAAAAAAAAwOD//wAAAAAmAAAAZAAAABYAAABMAAAAAAAAAAAAAAAEAAAAAAAAAAEAAADu7OEKAAAAACgAAAAoAAAAZAAAAGQAAAAAAAAAzMzMAAAAAABQAAAAUAAAAGQAAABkAAAAAAAAAAcAAAA4AAAAAAAAAAAAAAAAAAAA////AAAAAAAAAAAAAAAAAAAAAAAAAAAAAAAAAAAAAABkAAAAZAAAAAAAAAAjAAAABAAAAGQAAAAXAAAAFAAAAAAAAAAAAAAA/38AAP9/AAAAAAAACQAAAAQAAAAAAAAAHgAAAGgAAAAAAAAAAAAAAAAAAAAAAAAAAAAAABAnAAAQJwAAAAAAAAAAAAAAAAAAAAAAAAAAAAAAAAAAAAAAAAAAAAAUAAAAAAAAAMDA/wAAAAAAZAAAADIAAAAAAAAAZAAAAAAAAAB/f38ACgAAACIAAAAYAAAAAAAAAAAAAAAAAAAAAAAAAAAAAAAAAAAAJAAAACQAAAAAAAAABwAAAAAAAAAAAAAAAAAAAAAAAAAAAAAAAAAAAH9/fwAlAAAAWAAAAAAAAAAAAAAAAAAAAAAAAAAAAAAAAAAAAAAAAAAAAAAAAAAAAAAAAAAAAAAAPwAAAAAAAACghgEAAAAAAAAAAAAAAAAADAAAAAEAAAAAAAAAAAAAAAAAAAAfAAAAVAAAAE+BvQX///8BAAAAAAAAAAAAAAAAAAAAAAAAAAAAAAAAAAAAAAAAAAAAAAACf39/AO7s4QPMzMwAwMD/AH9/fwAAAAAAAAAAAAAAAAD///8AAAAAACEAAAAYAAAAFAAAAGwHAAA8GQAAUAoAAJQbAAAQAAAAJgAAAAgAAAD//////////w=="/>
-              </a:ext>
-            </a:extLst>
-          </p:cNvPicPr>
+        <p:txBody>
+          <a:bodyPr vert="horz" wrap="square" numCol="1" spcCol="215900" anchor="t"/>
+          <a:lstStyle/>
+          <a:p>
+            <a:pPr>
+              <a:defRPr lang="fr-fr" i="1" cap="none">
+                <a:solidFill>
+                  <a:srgbClr val="999999"/>
+                </a:solidFill>
+              </a:defRPr>
+            </a:pPr>
+            <a:r>
+              <a:t>Constant node</a:t>
+            </a:r>
+          </a:p>
+        </p:txBody>
+      </p:sp>
+      <p:sp>
+        <p:nvSpPr>
+          <p:cNvPr id="6" name="CadreTexte4"/>
+          <p:cNvSpPr txBox="1">
+            <a:extLst>
+              <a:ext uri="smNativeData">
+                <pr:smNativeData xmlns:pr="smNativeData" xmlns="smNativeData" val="SMDATA_15_0rbXYhMAAAAlAAAAEgAAAE8BAAAAkAAAAEgAAACQAAAASAAAAAAAAAAAAAAAAAAAAAEAAABQAAAAAAAAAAAA4D8AAAAAAADgPwAAAAAAAOA/AAAAAAAA4D8AAAAAAADgPwAAAAAAAOA/AAAAAAAA4D8AAAAAAADgPwAAAAAAAOA/AAAAAAAA4D8CAAAAjAAAAAAAAAAAAAAAT4G9DP///wgAAAAAAAAAAAAAAAAAAAAAAAAAAAAAAAAAAAAAZAAAAAEAAABAAAAAAAAAAAAAAAAAAAAAAAAAAAAAAAAAAAAAAAAAAAAAAAAAAAAAAAAAAAAAAAAAAAAAAAAAAAAAAAAAAAAAAAAAAAAAAAAAAAAAAAAAAAAAAAAAAAAAFAAAADwAAAAAAAAAAAAAAAAAAAkUAAAAAQAAABQAAAAUAAAAFAAAAAEAAAAAAAAAZAAAAGQAAAAAAAAAZAAAAGQAAAAVAAAAYAAAAAAAAAAAAAAADwAAACADAAAAAAAAAAAAAAEAAACgMgAAVgcAAKr4//8BAAAAf39/AAEAAABkAAAAAAAAABQAAABAHwAAAAAAACYAAAAAAAAAwOD//wAAAAAmAAAAZAAAABYAAABMAAAAAAAAAAAAAAAEAAAAAAAAAAEAAADu7OEKAAAAACgAAAAoAAAAZAAAAGQAAAAAAAAAzMzMAAAAAABQAAAAUAAAAGQAAABkAAAAAAAAABcAAAAUAAAAAAAAAGMEAAD/fwAA/38AAAAAAAAJAAAABAAAAC8AAAAeAAAAaAAAAAAAAAAAAAAAAAAAAAAAAAAAAAAAECcAABAnAAAAAAAAAAAAAAAAAAAAAAAAAAAAAAAAAAAAAAAAAAAAABQAAAAAAAAAwMD/AAAAAABkAAAAMgAAAAAAAABkAAAAAAAAAH9/fwAKAAAAIgAAABgAAAAAAAAAAAAAAAAAAAAAAAAAAAAAAAAAAAAkAAAAJAAAAAAAAAAHAAAAAAAAAAAAAAAAAAAAAAAAAAAAAAAAAAAAf39/ACUAAABYAAAAAAAAAAAAAAAAAAAAAAAAAAAAAAAAAAAAAAAAAAAAAAAAAAAAAAAAAAAAAAA/AAAAAAAAAKCGAQAAAAAAAAAAAAAAAAAMAAAAAQAAAAAAAAAAAAAAAAAAAB8AAABUAAAAT4G9Bf///wEAAAAAAAAAAAAAAAAAAAAAAAAAAAAAAAAAAAAAAAAAAAAAAAJ/f38A7uzhA8zMzADAwP8Af39/AAAAAAAAAAAAAAAAAAAAAAAAAAAAIQAAABgAAAAUAAAA0xcAABUOAACoJQAAVRAAABAgAAAmAAAACAAAAP//////////"/>
+              </a:ext>
+            </a:extLst>
+          </p:cNvSpPr>
           <p:nvPr/>
-        </p:nvPicPr>
-        <p:blipFill>
-          <a:blip r:embed="rId4"/>
-          <a:stretch>
-            <a:fillRect/>
-          </a:stretch>
-        </p:blipFill>
+        </p:nvSpPr>
         <p:spPr>
           <a:xfrm>
-            <a:off x="1206500" y="4102100"/>
-            <a:ext cx="469900" cy="381000"/>
+            <a:off x="3872865" y="2289175"/>
+            <a:ext cx="2248535" cy="365760"/>
           </a:xfrm>
           <a:prstGeom prst="rect">
             <a:avLst/>
@@ -7148,30 +6939,39 @@
           </a:ln>
           <a:effectLst/>
         </p:spPr>
-      </p:pic>
-      <p:pic>
-        <p:nvPicPr>
-          <p:cNvPr id="7" name="Image 6"/>
-          <p:cNvPicPr>
-            <a:picLocks noChangeAspect="1"/>
-            <a:extLst>
-              <a:ext uri="smNativeData">
-                <pr:smNativeData xmlns:pr="smNativeData" xmlns="smNativeData" val="SMDATA_17_iunWYhMAAAAlAAAAEQAAAC0AAAAAkAAAAEgAAACQAAAASAAAAAAAAAAAAAAAAAAAAAEAAABQAAAAAAAAAAAA4D8AAAAAAADgPwAAAAAAAOA/AAAAAAAA4D8AAAAAAADgPwAAAAAAAOA/AAAAAAAA4D8AAAAAAADgPwAAAAAAAOA/AAAAAAAA4D8CAAAAjAAAAAAAAAAAAAAAT4G9DP///wgAAAAAAAAAAAAAAAAAAAAAAAAAAAAAAAAAAAAAZAAAAAEAAABAAAAAAAAAAAAAAAAAAAAAAAAAAAAAAAAAAAAAAAAAAAAAAAAAAAAAAAAAAAAAAAAAAAAAAAAAAAAAAAAAAAAAAAAAAAAAAAAAAAAAAAAAAAAAAAAAAAAAFAAAADwAAAAAAAAAAAAAAAAAAAkUAAAAAQAAABQAAAAUAAAAFAAAAAEAAAAAAAAAZAAAAGQAAAAAAAAAZAAAAGQAAAAVAAAAYAAAAAAAAAAAAAAADwAAACADAAAAAAAAAAAAAAEAAACgMgAAVgcAAKr4//8BAAAAf39/AAEAAABkAAAAAAAAABQAAABAHwAAAAAAACYAAAAAAAAAwOD//wAAAAAmAAAAZAAAABYAAABMAAAAAAAAAAAAAAAEAAAAAAAAAAEAAADu7OEKAAAAACgAAAAoAAAAZAAAAGQAAAAAAAAAzMzMAAAAAABQAAAAUAAAAGQAAABkAAAAAAAAAAcAAAA4AAAAAAAAAAAAAAAAAAAA////AAAAAAAAAAAAAAAAAAAAAAAAAAAAAAAAAAAAAABkAAAAZAAAAAAAAAAjAAAABAAAAGQAAAAXAAAAFAAAAAAAAAAAAAAA/38AAP9/AAAAAAAACQAAAAQAAAAAAAAAHgAAAGgAAAAAAAAAAAAAAAAAAAAAAAAAAAAAABAnAAAQJwAAAAAAAAAAAAAAAAAAAAAAAAAAAAAAAAAAAAAAAAAAAAAUAAAAAAAAAMDA/wAAAAAAZAAAADIAAAAAAAAAZAAAAAAAAAB/f38ACgAAACIAAAAYAAAAAAAAAAAAAAAAAAAAAAAAAAAAAAAAAAAAJAAAACQAAAAAAAAABwAAAAAAAAAAAAAAAAAAAAAAAAAAAAAAAAAAAH9/fwAlAAAAWAAAAAAAAAAAAAAAAAAAAAAAAAAAAAAAAAAAAAAAAAAAAAAAAAAAAAAAAAAAAAAAPwAAAAAAAACghgEAAAAAAAAAAAAAAAAADAAAAAEAAAAAAAAAAAAAAAAAAAAfAAAAVAAAAE+BvQX///8BAAAAAAAAAAAAAAAAAAAAAAAAAAAAAAAAAAAAAAAAAAAAAAACf39/AO7s4QPMzMwAwMD/AH9/fwAAAAAAAAAAAAAAAAD///8AAAAAACEAAAAYAAAAFAAAAIAHAACUFgAAKAoAAOwYAAAQAAAAJgAAAAgAAAD//////////w=="/>
-              </a:ext>
-            </a:extLst>
-          </p:cNvPicPr>
+        <p:txBody>
+          <a:bodyPr vert="horz" wrap="square" numCol="1" spcCol="215900" anchor="t"/>
+          <a:lstStyle/>
+          <a:p>
+            <a:pPr>
+              <a:defRPr lang="fr-fr" i="1" cap="none">
+                <a:solidFill>
+                  <a:srgbClr val="999999"/>
+                </a:solidFill>
+              </a:defRPr>
+            </a:pPr>
+            <a:r>
+              <a:t>Stochastic node</a:t>
+            </a:r>
+          </a:p>
+        </p:txBody>
+      </p:sp>
+      <p:sp>
+        <p:nvSpPr>
+          <p:cNvPr id="7" name="CadreTexte5"/>
+          <p:cNvSpPr txBox="1">
+            <a:extLst>
+              <a:ext uri="smNativeData">
+                <pr:smNativeData xmlns:pr="smNativeData" xmlns="smNativeData" val="SMDATA_15_0rbXYhMAAAAlAAAAEgAAAE8BAAAAkAAAAEgAAACQAAAASAAAAAAAAAAAAAAAAAAAAAEAAABQAAAAAAAAAAAA4D8AAAAAAADgPwAAAAAAAOA/AAAAAAAA4D8AAAAAAADgPwAAAAAAAOA/AAAAAAAA4D8AAAAAAADgPwAAAAAAAOA/AAAAAAAA4D8CAAAAjAAAAAAAAAAAAAAAT4G9DP///wgAAAAAAAAAAAAAAAAAAAAAAAAAAAAAAAAAAAAAZAAAAAEAAABAAAAAAAAAAAAAAAAAAAAAAAAAAAAAAAAAAAAAAAAAAAAAAAAAAAAAAAAAAAAAAAAAAAAAAAAAAAAAAAAAAAAAAAAAAAAAAAAAAAAAAAAAAAAAAAAAAAAAFAAAADwAAAAAAAAAAAAAAAAAAAkUAAAAAQAAABQAAAAUAAAAFAAAAAEAAAAAAAAAZAAAAGQAAAAAAAAAZAAAAGQAAAAVAAAAYAAAAAAAAAAAAAAADwAAACADAAAAAAAAAAAAAAEAAACgMgAAVgcAAKr4//8BAAAAf39/AAEAAABkAAAAAAAAABQAAABAHwAAAAAAACYAAAAAAAAAwOD//wAAAAAmAAAAZAAAABYAAABMAAAAAAAAAAAAAAAEAAAAAAAAAAEAAADu7OEKAAAAACgAAAAoAAAAZAAAAGQAAAAAAAAAzMzMAAAAAABQAAAAUAAAAGQAAABkAAAAAAAAABcAAAAUAAAAAAAAAGMEAAD/fwAA/38AAAAAAAAJAAAABAAAAC8AAAAeAAAAaAAAAAAAAAAAAAAAAAAAAAAAAAAAAAAAECcAABAnAAAAAAAAAAAAAAAAAAAAAAAAAAAAAAAAAAAAAAAAAAAAABQAAAAAAAAAwMD/AAAAAABkAAAAMgAAAAAAAABkAAAAAAAAAH9/fwAKAAAAIgAAABgAAAAAAAAAAAAAAAAAAAAAAAAAAAAAAAAAAAAkAAAAJAAAAAAAAAAHAAAAAAAAAAAAAAAAAAAAAAAAAAAAAAAAAAAAf39/ACUAAABYAAAAAAAAAAAAAAAAAAAAAAAAAAAAAAAAAAAAAAAAAAAAAAAAAAAAAAAAAAAAAAA/AAAAAAAAAKCGAQAAAAAAAAAAAAAAAAAMAAAAAQAAAAAAAAAAAAAAAAAAAB8AAABUAAAAT4G9Bf///wEAAAAAAAAAAAAAAAAAAAAAAAAAAAAAAAAAAAAAAAAAAAAAAAJ/f38A7uzhA8zMzADAwP8Af39/AAAAAAAAAAAAAAAAAAAAAAAAAAAAIQAAABgAAAAUAAAAEAsAAFASAADlGAAAkBQAABAgAAAmAAAACAAAAP//////////"/>
+              </a:ext>
+            </a:extLst>
+          </p:cNvSpPr>
           <p:nvPr/>
-        </p:nvPicPr>
-        <p:blipFill>
-          <a:blip r:embed="rId5"/>
-          <a:stretch>
-            <a:fillRect/>
-          </a:stretch>
-        </p:blipFill>
+        </p:nvSpPr>
         <p:spPr>
           <a:xfrm>
-            <a:off x="1219200" y="3670300"/>
-            <a:ext cx="431800" cy="381000"/>
+            <a:off x="1798320" y="2976880"/>
+            <a:ext cx="2248535" cy="365760"/>
           </a:xfrm>
           <a:prstGeom prst="rect">
             <a:avLst/>
@@ -7182,30 +6982,39 @@
           </a:ln>
           <a:effectLst/>
         </p:spPr>
-      </p:pic>
-      <p:pic>
-        <p:nvPicPr>
-          <p:cNvPr id="8" name="Image 7"/>
-          <p:cNvPicPr>
-            <a:picLocks noChangeAspect="1"/>
-            <a:extLst>
-              <a:ext uri="smNativeData">
-                <pr:smNativeData xmlns:pr="smNativeData" xmlns="smNativeData" val="SMDATA_17_iunWYhMAAAAlAAAAEQAAAC0AAAAAkAAAAEgAAACQAAAASAAAAAAAAAAAAAAAAAAAAAEAAABQAAAAAAAAAAAA4D8AAAAAAADgPwAAAAAAAOA/AAAAAAAA4D8AAAAAAADgPwAAAAAAAOA/AAAAAAAA4D8AAAAAAADgPwAAAAAAAOA/AAAAAAAA4D8CAAAAjAAAAAAAAAAAAAAAT4G9DP///wgAAAAAAAAAAAAAAAAAAAAAAAAAAAAAAAAAAAAAZAAAAAEAAABAAAAAAAAAAAAAAAAAAAAAAAAAAAAAAAAAAAAAAAAAAAAAAAAAAAAAAAAAAAAAAAAAAAAAAAAAAAAAAAAAAAAAAAAAAAAAAAAAAAAAAAAAAAAAAAAAAAAAFAAAADwAAAAAAAAAAAAAAAAAAAkUAAAAAQAAABQAAAAUAAAAFAAAAAEAAAAAAAAAZAAAAGQAAAAAAAAAZAAAAGQAAAAVAAAAYAAAAAAAAAAAAAAADwAAACADAAAAAAAAAAAAAAEAAACgMgAAVgcAAKr4//8BAAAAf39/AAEAAABkAAAAAAAAABQAAABAHwAAAAAAACYAAAAAAAAAwOD//wAAAAAmAAAAZAAAABYAAABMAAAAAAAAAAAAAAAEAAAAAAAAAAEAAADu7OEKAAAAACgAAAAoAAAAZAAAAGQAAAAAAAAAzMzMAAAAAABQAAAAUAAAAGQAAABkAAAAAAAAAAcAAAA4AAAAAAAAAAAAAAAAAAAA////AAAAAAAAAAAAAAAAAAAAAAAAAAAAAAAAAAAAAABkAAAAZAAAAAAAAAAjAAAABAAAAGQAAAAXAAAAFAAAAAAAAAAAAAAA/38AAP9/AAAAAAAACQAAAAQAAAAAAAAAHgAAAGgAAAAAAAAAAAAAAAAAAAAAAAAAAAAAABAnAAAQJwAAAAAAAAAAAAAAAAAAAAAAAAAAAAAAAAAAAAAAAAAAAAAUAAAAAAAAAMDA/wAAAAAAZAAAADIAAAAAAAAAZAAAAAAAAAB/f38ACgAAACIAAAAYAAAAAAAAAAAAAAAAAAAAAAAAAAAAAAAAAAAAJAAAACQAAAAAAAAABwAAAAAAAAAAAAAAAAAAAAAAAAAAAAAAAAAAAH9/fwAlAAAAWAAAAAAAAAAAAAAAAAAAAAAAAAAAAAAAAAAAAAAAAAAAAAAAAAAAAAAAAAAAAAAAPwAAAAAAAACghgEAAAAAAAAAAAAAAAAADAAAAAEAAAAAAAAAAAAAAAAAAAAfAAAAVAAAAE+BvQX///8BAAAAAAAAAAAAAAAAAAAAAAAAAAAAAAAAAAAAAAAAAAAAAAACf39/AO7s4QPMzMwAwMD/AH9/fwAAAAAAAAAAAAAAAAD///8AAAAAACEAAAAYAAAAFAAAADwFAAA8GQAA0AcAAKgbAAAQAAAAJgAAAAgAAAD//////////w=="/>
-              </a:ext>
-            </a:extLst>
-          </p:cNvPicPr>
+        <p:txBody>
+          <a:bodyPr vert="horz" wrap="square" numCol="1" spcCol="215900" anchor="t"/>
+          <a:lstStyle/>
+          <a:p>
+            <a:pPr>
+              <a:defRPr lang="fr-fr" i="1" cap="none">
+                <a:solidFill>
+                  <a:srgbClr val="999999"/>
+                </a:solidFill>
+              </a:defRPr>
+            </a:pPr>
+            <a:r>
+              <a:t>Deterministic node</a:t>
+            </a:r>
+          </a:p>
+        </p:txBody>
+      </p:sp>
+      <p:sp>
+        <p:nvSpPr>
+          <p:cNvPr id="8" name="CadreTexte6"/>
+          <p:cNvSpPr txBox="1">
+            <a:extLst>
+              <a:ext uri="smNativeData">
+                <pr:smNativeData xmlns:pr="smNativeData" xmlns="smNativeData" val="SMDATA_15_0rbXYhMAAAAlAAAAEgAAAE8BAAAAkAAAAEgAAACQAAAASAAAAAAAAAAAAAAAAAAAAAEAAABQAAAAAAAAAAAA4D8AAAAAAADgPwAAAAAAAOA/AAAAAAAA4D8AAAAAAADgPwAAAAAAAOA/AAAAAAAA4D8AAAAAAADgPwAAAAAAAOA/AAAAAAAA4D8CAAAAjAAAAAAAAAAAAAAAT4G9DP///wgAAAAAAAAAAAAAAAAAAAAAAAAAAAAAAAAAAAAAZAAAAAEAAABAAAAAAAAAAAAAAAAAAAAAAAAAAAAAAAAAAAAAAAAAAAAAAAAAAAAAAAAAAAAAAAAAAAAAAAAAAAAAAAAAAAAAAAAAAAAAAAAAAAAAAAAAAAAAAAAAAAAAFAAAADwAAAAAAAAAAAAAAAAAAAkUAAAAAQAAABQAAAAUAAAAFAAAAAEAAAAAAAAAZAAAAGQAAAAAAAAAZAAAAGQAAAAVAAAAYAAAAAAAAAAAAAAADwAAACADAAAAAAAAAAAAAAEAAACgMgAAVgcAAKr4//8BAAAAf39/AAEAAABkAAAAAAAAABQAAABAHwAAAAAAACYAAAAAAAAAwOD//wAAAAAmAAAAZAAAABYAAABMAAAAAAAAAAAAAAAEAAAAAAAAAAEAAADu7OEKAAAAACgAAAAoAAAAZAAAAGQAAAAAAAAAzMzMAAAAAABQAAAAUAAAAGQAAABkAAAAAAAAABcAAAAUAAAAAAAAAGMEAAD/fwAA/38AAAAAAAAJAAAABAAAAAAAAAEeAAAAaAAAAAAAAAAAAAAAAAAAAAAAAAAAAAAAECcAABAnAAAAAAAAAAAAAAAAAAAAAAAAAAAAAAAAAAAAAAAAAAAAABQAAAAAAAAAwMD/AAAAAABkAAAAMgAAAAAAAABkAAAAAAAAAH9/fwAKAAAAIgAAABgAAAAAAAAAAAAAAAAAAAAAAAAAAAAAAAAAAAAkAAAAJAAAAAAAAAAHAAAAAAAAAAAAAAAAAAAAAAAAAAAAAAAAAAAAf39/ACUAAABYAAAAAAAAAAAAAAAAAAAAAAAAAAAAAAAAAAAAAAAAAAAAAAAAAAAAAAAAAAAAAAA/AAAAAAAAAKCGAQAAAAAAAAAAAAAAAAAMAAAAAQAAAAAAAAAAAAAAAAAAAB8AAABUAAAAT4G9Bf///wEAAAAAAAAAAAAAAAAAAAAAAAAAAAAAAAAAAAAAAAAAAAAAAAJ/f38A7uzhA8zMzADAwP8Af39/AAAAAAAAAAAAAAAAAAAAAAAAAAAAIQAAABgAAAAUAAAAUwsAAIcUAAAqFQAAxxYAABAgAAAmAAAACAAAAP//////////"/>
+              </a:ext>
+            </a:extLst>
+          </p:cNvSpPr>
           <p:nvPr/>
-        </p:nvPicPr>
-        <p:blipFill>
-          <a:blip r:embed="rId6"/>
-          <a:stretch>
-            <a:fillRect/>
-          </a:stretch>
-        </p:blipFill>
+        </p:nvSpPr>
         <p:spPr>
           <a:xfrm>
-            <a:off x="850900" y="4102100"/>
-            <a:ext cx="419100" cy="393700"/>
+            <a:off x="1840865" y="3336925"/>
+            <a:ext cx="1599565" cy="365760"/>
           </a:xfrm>
           <a:prstGeom prst="rect">
             <a:avLst/>
@@ -7216,7 +7025,23 @@
           </a:ln>
           <a:effectLst/>
         </p:spPr>
-      </p:pic>
+        <p:txBody>
+          <a:bodyPr vert="horz" wrap="square" numCol="1" spcCol="215900" anchor="t"/>
+          <a:lstStyle/>
+          <a:p>
+            <a:pPr>
+              <a:defRPr lang="fr-fr" i="1" cap="none">
+                <a:solidFill>
+                  <a:srgbClr val="999999"/>
+                </a:solidFill>
+              </a:defRPr>
+            </a:pPr>
+            <a:r>
+              <a:t>Constant node</a:t>
+            </a:r>
+          </a:p>
+        </p:txBody>
+      </p:sp>
     </p:spTree>
   </p:cSld>
   <p:clrMapOvr>
@@ -7256,7 +7081,7 @@
             <a:spLocks noGrp="1" noChangeArrowheads="1"/>
             <a:extLst>
               <a:ext uri="smNativeData">
-                <pr:smNativeData xmlns:pr="smNativeData" xmlns="smNativeData" val="SMDATA_15_iunWYhMAAAAlAAAAZAAAAA0AAAAAkAAAAEgAAACQAAAASAAAAAAAAAABAAAAAAAAAAEAAABQAAAAAAAAAAAA4D8AAAAAAADgPwAAAAAAAOA/AAAAAAAA4D8AAAAAAADgPwAAAAAAAOA/AAAAAAAA4D8AAAAAAADgPwAAAAAAAOA/AAAAAAAA4D8CAAAAjAAAAAAAAAAAAAAAT4G9DP///wgAAAAAAAAAAAAAAAAAAAAAAAAAAAAAAAAAAAAAZAAAAAEAAABAAAAAAAAAAAAAAAAAAAAAAAAAAAAAAAAAAAAAAAAAAAAAAAAAAAAAAAAAAAAAAAAAAAAAAAAAAAAAAAAAAAAAAAAAAAAAAAAAAAAAAAAAAAAAAAAAAAAAFAAAADwAAAAAAAAAAAAAAAAAAAkUAAAAAQAAABQAAAAUAAAAFAAAAAEAAAAAAAAAZAAAAGQAAAAAAAAAZAAAAGQAAAAVAAAAYAAAAAAAAAAAAAAADwAAACADAAAAAAAAAAAAAAEAAACgMgAAVgcAAKr4//8BAAAAf39/AAEAAABkAAAAAAAAABQAAABAHwAAAAAAACYAAAAAAAAAwOD//wAAAAAmAAAAZAAAABYAAABMAAAAAAAAAAAAAAAEAAAAAAAAAAEAAADu7OEKAAAAACgAAAAoAAAAZAAAAGQAAAAAAAAAzMzMAAAAAABQAAAAUAAAAGQAAABkAAAAAAAAABcAAAAUAAAAAAAAAAAAAAD/fwAA/38AAAAAAAAJAAAABAAAAAAAAAAeAAAAaAAAAAAAAAAAAAAAAAAAAAAAAAAAAAAAECcAABAnAAAAAAAAAAAAAAAAAAAAAAAAAAAAAAAAAAAAAAAAAAAAABQAAAAAAAAAwMD/AAAAAABkAAAAMgAAAAAAAABkAAAAAAAAAH9/fwAKAAAAIgAAABgAAAAAAAAAAAAAAAAAAAAAAAAAAAAAAAAAAAAkAAAAJAAAAAAAAAAHAAAAAAAAAAAAAAAAAAAAAAAAAAAAAAAAAAAAf39/ACUAAABYAAAAAAAAAAAAAAAAAAAAAAAAAAAAAAAAAAAAAAAAAAAAAAAAAAAAAAAAAAAAAAA/AAAAAAAAAKCGAQAAAAAAAAAAAAAAAAAMAAAAAQAAAAAAAAAAAAAAAAAAAB8AAABUAAAAT4G9Bf///wEAAAAAAAAAAAAAAAAAAAAAAAAAAAAAAAAAAAAAAAAAAAAAAAJ/f38A7uzhA8zMzADAwP8Af39/AAAAAAAAAAAAAAAAAAAAAAAAAAAAIQAAABgAAAAUAAAA0AIAALEBAABwNQAAuQgAABAAAAAmAAAACAAAAAAAAAAAAAAA"/>
+                <pr:smNativeData xmlns:pr="smNativeData" xmlns="smNativeData" val="SMDATA_15_0rbXYhMAAAAlAAAAZAAAAA0AAAAAkAAAAEgAAACQAAAASAAAAAAAAAABAAAAAAAAAAEAAABQAAAAAAAAAAAA4D8AAAAAAADgPwAAAAAAAOA/AAAAAAAA4D8AAAAAAADgPwAAAAAAAOA/AAAAAAAA4D8AAAAAAADgPwAAAAAAAOA/AAAAAAAA4D8CAAAAjAAAAAAAAAAAAAAAT4G9DP///wgAAAAAAAAAAAAAAAAAAAAAAAAAAAAAAAAAAAAAZAAAAAEAAABAAAAAAAAAAAAAAAAAAAAAAAAAAAAAAAAAAAAAAAAAAAAAAAAAAAAAAAAAAAAAAAAAAAAAAAAAAAAAAAAAAAAAAAAAAAAAAAAAAAAAAAAAAAAAAAAAAAAAFAAAADwAAAAAAAAAAAAAAAAAAAkUAAAAAQAAABQAAAAUAAAAFAAAAAEAAAAAAAAAZAAAAGQAAAAAAAAAZAAAAGQAAAAVAAAAYAAAAAAAAAAAAAAADwAAACADAAAAAAAAAAAAAAEAAACgMgAAVgcAAKr4//8BAAAAf39/AAEAAABkAAAAAAAAABQAAABAHwAAAAAAACYAAAAAAAAAwOD//wAAAAAmAAAAZAAAABYAAABMAAAAAAAAAAAAAAAEAAAAAAAAAAEAAADu7OEKAAAAACgAAAAoAAAAZAAAAGQAAAAAAAAAzMzMAAAAAABQAAAAUAAAAGQAAABkAAAAAAAAABcAAAAUAAAAAAAAAAAAAAD/fwAA/38AAAAAAAAJAAAABAAAAAAAAAEeAAAAaAAAAAAAAAAAAAAAAAAAAAAAAAAAAAAAECcAABAnAAAAAAAAAAAAAAAAAAAAAAAAAAAAAAAAAAAAAAAAAAAAABQAAAAAAAAAwMD/AAAAAABkAAAAMgAAAAAAAABkAAAAAAAAAH9/fwAKAAAAIgAAABgAAAAAAAAAAAAAAAAAAAAAAAAAAAAAAAAAAAAkAAAAJAAAAAAAAAAHAAAAAAAAAAAAAAAAAAAAAAAAAAAAAAAAAAAAf39/ACUAAABYAAAAAAAAAAAAAAAAAAAAAAAAAAAAAAAAAAAAAAAAAAAAAAAAAAAAAAAAAAAAAAA/AAAAAAAAAKCGAQAAAAAAAAAAAAAAAAAMAAAAAQAAAAAAAAAAAAAAAAAAAB8AAABUAAAAT4G9Bf///wEAAAAAAAAAAAAAAAAAAAAAAAAAAAAAAAAAAAAAAAAAAAAAAAJ/f38A7uzhA8zMzADAwP8Af39/AAAAAAAAAAAAAAAAAAAAAAAAAAAAIQAAABgAAAAUAAAA0AIAALEBAABwNQAAuQgAABAAAAAmAAAACAAAAAAAAAAAAAAA"/>
               </a:ext>
             </a:extLst>
           </p:cNvSpPr>
@@ -7273,7 +7098,7 @@
               <a:defRPr lang="fr-fr"/>
             </a:pPr>
             <a:r>
-              <a:t>The Rev language: more details (1)</a:t>
+              <a:t>Variable declaration in Rev</a:t>
             </a:r>
           </a:p>
         </p:txBody>
@@ -7285,7 +7110,7 @@
             <a:spLocks noGrp="1" noChangeArrowheads="1"/>
             <a:extLst>
               <a:ext uri="smNativeData">
-                <pr:smNativeData xmlns:pr="smNativeData" xmlns="smNativeData" val="SMDATA_15_iunWYhMAAAAlAAAAZAAAAA0AAAAAkAAAAEgAAACQAAAASAAAAAAAAAAAAAAAAAAAAAEAAABQAAAAAAAAAAAA4D8AAAAAAADgPwAAAAAAAOA/AAAAAAAA4D8AAAAAAADgPwAAAAAAAOA/AAAAAAAA4D8AAAAAAADgPwAAAAAAAOA/AAAAAAAA4D8CAAAAjAAAAAAAAAAAAAAAT4G9DP///wgAAAAAAAAAAAAAAAAAAAAAAAAAAAAAAAAAAAAAZAAAAAEAAABAAAAAAAAAAAAAAAAAAAAAAAAAAAAAAAAAAAAAAAAAAAAAAAAAAAAAAAAAAAAAAAAAAAAAAAAAAAAAAAAAAAAAAAAAAAAAAAAAAAAAAAAAAAAAAAAAAAAAFAAAADwAAAAAAAAAAAAAAAAAAAkUAAAAAQAAABQAAAAUAAAAFAAAAAEAAAAAAAAAZAAAAGQAAAAAAAAAZAAAAGQAAAAVAAAAYAAAAAAAAAAAAAAADwAAACADAAAAAAAAAAAAAAEAAACgMgAAVgcAAKr4//8BAAAAf39/AAEAAABkAAAAAAAAABQAAABAHwAAAAAAACYAAAAAAAAAwOD//wAAAAAmAAAAZAAAABYAAABMAAAAAAAAAAAAAAAEAAAAAAAAAAEAAADu7OEKAAAAACgAAAAoAAAAZAAAAGQAAAAAAAAAzMzMAAAAAABQAAAAUAAAAGQAAABkAAAAAAAAABcAAAAUAAAAAAAAAAAAAAD/fwAA/38AAAAAAAAJAAAABAAAAAAAAAAeAAAAaAAAAAAAAAAAAAAAAAAAAAAAAAAAAAAAECcAABAnAAAAAAAAAAAAAAAAAAAAAAAAAAAAAAAAAAAAAAAAAAAAABQAAAAAAAAAwMD/AAAAAABkAAAAMgAAAAAAAABkAAAAAAAAAH9/fwAKAAAAIgAAABgAAAAAAAAAAAAAAAAAAAAAAAAAAAAAAAAAAAAkAAAAJAAAAAAAAAAHAAAAAAAAAAAAAAAAAAAAAAAAAAAAAAAAAAAAf39/ACUAAABYAAAAAAAAAAAAAAAAAAAAAAAAAAAAAAAAAAAAAAAAAAAAAAAAAAAAAAAAAAAAAAA/AAAAAAAAAKCGAQAAAAAAAAAAAAAAAAAMAAAAAQAAAAAAAAAAAAAAAAAAAB8AAABUAAAAT4G9Bf///wEAAAAAAAAAAAAAAAAAAAAAAAAAAAAAAAAAAAAAAAAAAAAAAAJ/f38A7uzhA8zMzADAwP8Af39/AAAAAAAAAAAAAAAAAAAAAAAAAAAAIQAAABgAAAAUAAAA0AIAANgJAABwNQAAMCoAABAAAAAmAAAACAAAAAEgAAAAAAAA"/>
+                <pr:smNativeData xmlns:pr="smNativeData" xmlns="smNativeData" val="SMDATA_15_0rbXYhMAAAAlAAAAZAAAAA0AAAAAkAAAAEgAAACQAAAASAAAAAAAAAAAAAAAAAAAAAEAAABQAAAAAAAAAAAA4D8AAAAAAADgPwAAAAAAAOA/AAAAAAAA4D8AAAAAAADgPwAAAAAAAOA/AAAAAAAA4D8AAAAAAADgPwAAAAAAAOA/AAAAAAAA4D8CAAAAjAAAAAAAAAAAAAAAT4G9DP///wgAAAAAAAAAAAAAAAAAAAAAAAAAAAAAAAAAAAAAZAAAAAEAAABAAAAAAAAAAAAAAAAAAAAAAAAAAAAAAAAAAAAAAAAAAAAAAAAAAAAAAAAAAAAAAAAAAAAAAAAAAAAAAAAAAAAAAAAAAAAAAAAAAAAAAAAAAAAAAAAAAAAAFAAAADwAAAAAAAAAAAAAAAAAAAkUAAAAAQAAABQAAAAUAAAAFAAAAAEAAAAAAAAAZAAAAGQAAAAAAAAAZAAAAGQAAAAVAAAAYAAAAAAAAAAAAAAADwAAACADAAAAAAAAAAAAAAEAAACgMgAAVgcAAKr4//8BAAAAf39/AAEAAABkAAAAAAAAABQAAABAHwAAAAAAACYAAAAAAAAAwOD//wAAAAAmAAAAZAAAABYAAABMAAAAAAAAAAAAAAAEAAAAAAAAAAEAAADu7OEKAAAAACgAAAAoAAAAZAAAAGQAAAAAAAAAzMzMAAAAAABQAAAAUAAAAGQAAABkAAAAAAAAABcAAAAUAAAAAAAAAAAAAAD/fwAA/38AAAAAAAAJAAAABAAAAAAAAAEeAAAAaAAAAAAAAAAAAAAAAAAAAAAAAAAAAAAAECcAABAnAAAAAAAAAAAAAAAAAAAAAAAAAAAAAAAAAAAAAAAAAAAAABQAAAAAAAAAwMD/AAAAAABkAAAAMgAAAAAAAABkAAAAAAAAAH9/fwAKAAAAIgAAABgAAAAAAAAAAAAAAAAAAAAAAAAAAAAAAAAAAAAkAAAAJAAAAAAAAAAHAAAAAAAAAAAAAAAAAAAAAAAAAAAAAAAAAAAAf39/ACUAAABYAAAAAAAAAAAAAAAAAAAAAAAAAAAAAAAAAAAAAAAAAAAAAAAAAAAAAAAAAAAAAAA/AAAAAAAAAKCGAQAAAAAAAAAAAAAAAAAMAAAAAQAAAAAAAAAAAAAAAAAAAB8AAABUAAAAT4G9Bf///wEAAAAAAAAAAAAAAAAAAAAAAAAAAAAAAAAAAAAAAAAAAAAAAAJ/f38A7uzhA8zMzADAwP8Af39/AAAAAAAAAAAAAAAAAAAAAAAAAAAAIQAAABgAAAAUAAAA0AIAANgJAAA8NwAAsCUAABAAAAAmAAAACAAAAAEAAAAAAAAA"/>
               </a:ext>
             </a:extLst>
           </p:cNvSpPr>
@@ -7296,61 +7121,18 @@
         <p:spPr>
           <a:xfrm>
             <a:off x="457200" y="1600200"/>
-            <a:ext cx="8229600" cy="5257800"/>
+            <a:ext cx="8521700" cy="4526280"/>
           </a:xfrm>
         </p:spPr>
         <p:txBody>
-          <a:bodyPr vert="horz" wrap="square" lIns="91440" tIns="45720" rIns="91440" bIns="45720" numCol="1" spcCol="215900" anchor="t">
-            <a:prstTxWarp prst="textNoShape">
-              <a:avLst/>
-            </a:prstTxWarp>
-          </a:bodyPr>
+          <a:bodyPr/>
           <a:lstStyle/>
           <a:p>
             <a:pPr>
               <a:defRPr lang="fr-fr"/>
             </a:pPr>
             <a:r>
-              <a:t>Vectors:					    or:					   or:</a:t>
-            </a:r>
-          </a:p>
-          <a:p>
-            <a:pPr>
-              <a:defRPr lang="fr-fr"/>
-            </a:pPr>
-          </a:p>
-          <a:p>
-            <a:pPr>
-              <a:defRPr lang="fr-fr"/>
-            </a:pPr>
-            <a:r>
-              <a:t>Convenience functions:</a:t>
-            </a:r>
-          </a:p>
-          <a:p>
-            <a:pPr>
-              <a:defRPr lang="fr-fr"/>
-            </a:pPr>
-          </a:p>
-          <a:p>
-            <a:pPr>
-              <a:defRPr lang="fr-fr"/>
-            </a:pPr>
-            <a:r>
-              <a:t>Vectors are objects: </a:t>
-            </a:r>
-          </a:p>
-          <a:p>
-            <a:pPr>
-              <a:defRPr lang="fr-fr"/>
-            </a:pPr>
-          </a:p>
-          <a:p>
-            <a:pPr>
-              <a:defRPr lang="fr-fr"/>
-            </a:pPr>
-            <a:r>
-              <a:t>Control structures: </a:t>
+              <a:t>2 main types of variables:</a:t>
             </a:r>
           </a:p>
           <a:p>
@@ -7358,19 +7140,62 @@
               <a:defRPr lang="fr-fr"/>
             </a:pPr>
             <a:r>
-              <a:t>for loops</a:t>
-            </a:r>
+              <a:t>Environment variable: 			</a:t>
+            </a:r>
+            <a:r>
+              <a:rPr lang="fr-fr" sz="2400" cap="none"/>
+              <a:t>name = « MyAnalysis »</a:t>
+            </a:r>
+            <a:endParaRPr lang="fr-fr" sz="2400" cap="none"/>
           </a:p>
           <a:p>
             <a:pPr lvl="1">
               <a:defRPr lang="fr-fr"/>
             </a:pPr>
             <a:r>
-              <a:t>while loops      </a:t>
-            </a:r>
-          </a:p>
-          <a:p>
-            <a:pPr>
+              <a:t>Model variables:</a:t>
+            </a:r>
+          </a:p>
+          <a:p>
+            <a:pPr lvl="2">
+              <a:defRPr lang="fr-fr"/>
+            </a:pPr>
+            <a:r>
+              <a:t>Constant variable:				c &lt;- 1 </a:t>
+            </a:r>
+          </a:p>
+          <a:p>
+            <a:pPr lvl="2">
+              <a:defRPr lang="fr-fr"/>
+            </a:pPr>
+            <a:r>
+              <a:t>Deterministic variable:  			d := exp(c)</a:t>
+            </a:r>
+          </a:p>
+          <a:p>
+            <a:pPr lvl="2">
+              <a:defRPr lang="fr-fr"/>
+            </a:pPr>
+            <a:r>
+              <a:t>Stochastic variable:				x ~ dnExponential(c) </a:t>
+            </a:r>
+          </a:p>
+          <a:p>
+            <a:pPr lvl="1">
+              <a:defRPr lang="fr-fr"/>
+            </a:pPr>
+          </a:p>
+          <a:p>
+            <a:pPr lvl="1">
+              <a:defRPr lang="fr-fr"/>
+            </a:pPr>
+            <a:r>
+              <a:t>More fun with stochastic variables:</a:t>
+            </a:r>
+          </a:p>
+          <a:p>
+            <a:pPr lvl="2">
+              <a:buNone/>
               <a:defRPr lang="fr-fr"/>
             </a:pPr>
           </a:p>
@@ -7378,12 +7203,12 @@
       </p:sp>
       <p:pic>
         <p:nvPicPr>
-          <p:cNvPr id="4" name="Image 4"/>
+          <p:cNvPr id="4" name="Image 3"/>
           <p:cNvPicPr>
             <a:picLocks noChangeAspect="1"/>
             <a:extLst>
               <a:ext uri="smNativeData">
-                <pr:smNativeData xmlns:pr="smNativeData" xmlns="smNativeData" val="SMDATA_17_iunWYhMAAAAlAAAAEQAAAC0AAAAAkAAAAEgAAACQAAAASAAAAAAAAAAAAAAAAAAAAAEAAABQAAAAAAAAAAAA4D8AAAAAAADgPwAAAAAAAOA/AAAAAAAA4D8AAAAAAADgPwAAAAAAAOA/AAAAAAAA4D8AAAAAAADgPwAAAAAAAOA/AAAAAAAA4D8CAAAAjAAAAAAAAAAAAAAAT4G9DP///wgAAAAAAAAAAAAAAAAAAAAAAAAAAAAAAAAAAAAAZAAAAAEAAABAAAAAAAAAAAAAAAAAAAAAAAAAAAAAAAAAAAAAAAAAAAAAAAAAAAAAAAAAAAAAAAAAAAAAAAAAAAAAAAAAAAAAAAAAAAAAAAAAAAAAAAAAAAAAAAAAAAAAFAAAADwAAAAAAAAAAAAAAAAAAAkUAAAAAQAAABQAAAAUAAAAFAAAAAEAAAAAAAAAZAAAAGQAAAAAAAAAZAAAAGQAAAAVAAAAYAAAAAAAAAAAAAAADwAAACADAAAAAAAAAAAAAAEAAACgMgAAVgcAAKr4//8BAAAAf39/AAEAAABkAAAAAAAAABQAAABAHwAAAAAAACYAAAAAAAAAwOD//wAAAAAmAAAAZAAAABYAAABMAAAAAAAAAAAAAAAEAAAAAAAAAAEAAADu7OEKAAAAACgAAAAoAAAAZAAAAGQAAAAAAAAAzMzMAAAAAABQAAAAUAAAAGQAAABkAAAAAAAAAAcAAAA4AAAAAAAAAAAAAAAAAAAA////AAAAAAAAAAAAAAAAAAAAAAAAAAAAAAAAAAAAAABkAAAAZAAAAAAAAAAjAAAABAAAAGQAAAAXAAAAFAAAAAAAAAAAAAAA/38AAP9/AAAAAAAACQAAAAQAAAAAAAAAHgAAAGgAAAAAAAAAAAAAAAAAAAAAAAAAAAAAABAnAAAQJwAAAAAAAAAAAAAAAAAAAAAAAAAAAAAAAAAAAAAAAAAAAAAUAAAAAAAAAMDA/wAAAAAAZAAAADIAAAAAAAAAZAAAAAAAAAB/f38ACgAAACIAAAAYAAAAAAAAAAAAAAAAAAAAAAAAAAAAAAAAAAAAJAAAACQAAAAAAAAABwAAAAAAAAAAAAAAAAAAAAAAAAAAAAAAAAAAAH9/fwAlAAAAWAAAAAAAAAAAAAAAAAAAAAAAAAAAAAAAAAAAAAAAAAAAAAAAAAAAAAAAAAAAAAAAPwAAAAAAAACghgEAAAAAAAAAAAAAAAAADAAAAAEAAAAAAAAAAAAAAAAAAAAfAAAAVAAAAE+BvQX///8BAAAAAAAAAAAAAAAAAAAAAAAAAAAAAAAAAAAAAAAAAAAAAAACf39/AO7s4QPMzMwAwMD/AH9/fwAAAAAAAAAAAAAAAAD///8AAAAAACEAAAAYAAAAFAAAAOgNAADICgAAgBsAAOQMAAAQAAAAJgAAAAgAAAD//////////w=="/>
+                <pr:smNativeData xmlns:pr="smNativeData" xmlns="smNativeData" val="SMDATA_17_0rbXYhMAAAAlAAAAEQAAAC0AAAAAkAAAAEgAAACQAAAASAAAAAAAAAAAAAAAAAAAAAEAAABQAAAAAAAAAAAA4D8AAAAAAADgPwAAAAAAAOA/AAAAAAAA4D8AAAAAAADgPwAAAAAAAOA/AAAAAAAA4D8AAAAAAADgPwAAAAAAAOA/AAAAAAAA4D8CAAAAjAAAAAAAAAAAAAAAT4G9DP///wgAAAAAAAAAAAAAAAAAAAAAAAAAAAAAAAAAAAAAZAAAAAEAAABAAAAAAAAAAAAAAAAAAAAAAAAAAAAAAAAAAAAAAAAAAAAAAAAAAAAAAAAAAAAAAAAAAAAAAAAAAAAAAAAAAAAAAAAAAAAAAAAAAAAAAAAAAAAAAAAAAAAAFAAAADwAAAAAAAAAAAAAAAAAAAkUAAAAAQAAABQAAAAUAAAAFAAAAAEAAAAAAAAAZAAAAGQAAAAAAAAAZAAAAGQAAAAVAAAAYAAAAAAAAAAAAAAADwAAACADAAAAAAAAAAAAAAEAAACgMgAAVgcAAKr4//8BAAAAf39/AAEAAABkAAAAAAAAABQAAABAHwAAAAAAACYAAAAAAAAAwOD//wAAAAAmAAAAZAAAABYAAABMAAAAAAAAAAAAAAAEAAAAAAAAAAEAAADu7OEKAAAAACgAAAAoAAAAZAAAAGQAAAAAAAAAzMzMAAAAAABQAAAAUAAAAGQAAABkAAAAAAAAAAcAAAA4AAAAAAAAAAAAAAAAAAAA////AAAAAAAAAAAAAAAAAAAAAAAAAAAAAAAAAAAAAABkAAAAZAAAAAAAAAAjAAAABAAAAGQAAAAXAAAAFAAAAAAAAAAAAAAA/38AAP9/AAAAAAAACQAAAAQAAAAAAAABHgAAAGgAAAAAAAAAAAAAAAAAAAAAAAAAAAAAABAnAAAQJwAAAAAAAAAAAAAAAAAAAAAAAAAAAAAAAAAAAAAAAAAAAAAUAAAAAAAAAMDA/wAAAAAAZAAAADIAAAAAAAAAZAAAAAAAAAB/f38ACgAAACIAAAAYAAAAAAAAAAAAAAAAAAAAAAAAAAAAAAAAAAAAJAAAACQAAAAAAAAABwAAAAAAAAAAAAAAAAAAAAAAAAAAAAAAAAAAAH9/fwAlAAAAWAAAAAAAAAAAAAAAAAAAAAAAAAAAAAAAAAAAAAAAAAAAAAAAAAAAAAAAAAAAAAAAPwAAAAAAAACghgEAAAAAAAAAAAAAAAAADAAAAAEAAAAAAAAAAAAAAAAAAAAfAAAAVAAAAE+BvQX///8BAAAAAAAAAAAAAAAAAAAAAAAAAAAAAAAAAAAAAAAAAAAAAAACf39/AO7s4QPMzMwAwMD/AH9/fwAAAAAAAAAAAAAAAAD///8AAAAAACEAAAAYAAAAFAAAAAAAAAD1IQAAQDgAAOkpAAAQAAAAJgAAAAgAAAD//////////w=="/>
               </a:ext>
             </a:extLst>
           </p:cNvPicPr>
@@ -7397,8 +7222,8 @@
         </p:blipFill>
         <p:spPr>
           <a:xfrm>
-            <a:off x="2260600" y="1752600"/>
-            <a:ext cx="2209800" cy="342900"/>
+            <a:off x="0" y="5520055"/>
+            <a:ext cx="9144000" cy="1292860"/>
           </a:xfrm>
           <a:prstGeom prst="rect">
             <a:avLst/>
@@ -7412,12 +7237,12 @@
       </p:pic>
       <p:pic>
         <p:nvPicPr>
-          <p:cNvPr id="5" name="Image 5"/>
+          <p:cNvPr id="5" name="Image 4"/>
           <p:cNvPicPr>
             <a:picLocks noChangeAspect="1"/>
             <a:extLst>
               <a:ext uri="smNativeData">
-                <pr:smNativeData xmlns:pr="smNativeData" xmlns="smNativeData" val="SMDATA_17_iunWYhMAAAAlAAAAEQAAAC0AAAAAkAAAAEgAAACQAAAASAAAAAAAAAAAAAAAAAAAAAEAAABQAAAAAAAAAAAA4D8AAAAAAADgPwAAAAAAAOA/AAAAAAAA4D8AAAAAAADgPwAAAAAAAOA/AAAAAAAA4D8AAAAAAADgPwAAAAAAAOA/AAAAAAAA4D8CAAAAjAAAAAAAAAAAAAAAT4G9DP///wgAAAAAAAAAAAAAAAAAAAAAAAAAAAAAAAAAAAAAZAAAAAEAAABAAAAAAAAAAAAAAAAAAAAAAAAAAAAAAAAAAAAAAAAAAAAAAAAAAAAAAAAAAAAAAAAAAAAAAAAAAAAAAAAAAAAAAAAAAAAAAAAAAAAAAAAAAAAAAAAAAAAAFAAAADwAAAAAAAAAAAAAAAAAAAkUAAAAAQAAABQAAAAUAAAAFAAAAAEAAAAAAAAAZAAAAGQAAAAAAAAAZAAAAGQAAAAVAAAAYAAAAAAAAAAAAAAADwAAACADAAAAAAAAAAAAAAEAAACgMgAAVgcAAKr4//8BAAAAf39/AAEAAABkAAAAAAAAABQAAABAHwAAAAAAACYAAAAAAAAAwOD//wAAAAAmAAAAZAAAABYAAABMAAAAAAAAAAAAAAAEAAAAAAAAAAEAAADu7OEKAAAAACgAAAAoAAAAZAAAAGQAAAAAAAAAzMzMAAAAAABQAAAAUAAAAGQAAABkAAAAAAAAAAcAAAA4AAAAAAAAAAAAAAAAAAAA////AAAAAAAAAAAAAAAAAAAAAAAAAAAAAAAAAAAAAABkAAAAZAAAAAAAAAAjAAAABAAAAGQAAAAXAAAAFAAAAAAAAAAAAAAA/38AAP9/AAAAAAAACQAAAAQAAAAAAAAAHgAAAGgAAAAAAAAAAAAAAAAAAAAAAAAAAAAAABAnAAAQJwAAAAAAAAAAAAAAAAAAAAAAAAAAAAAAAAAAAAAAAAAAAAAUAAAAAAAAAMDA/wAAAAAAZAAAADIAAAAAAAAAZAAAAAAAAAB/f38ACgAAACIAAAAYAAAAAAAAAAAAAAAAAAAAAAAAAAAAAAAAAAAAJAAAACQAAAAAAAAABwAAAAAAAAAAAAAAAAAAAAAAAAAAAAAAAAAAAH9/fwAlAAAAWAAAAAAAAAAAAAAAAAAAAAAAAAAAAAAAAAAAAAAAAAAAAAAAAAAAAAAAAAAAAAAAPwAAAAAAAACghgEAAAAAAAAAAAAAAAAADAAAAAEAAAAAAAAAAAAAAAAAAAAfAAAAVAAAAE+BvQX///8BAAAAAAAAAAAAAAAAAAAAAAAAAAAAAAAAAAAAAAAAAAAAAAACf39/AO7s4QPMzMwAwMD/AH9/fwAAAAAAAAAAAAAAAAD///8AAAAAACEAAAAYAAAAFAAAADYfAAC0CgAAoisAAOQMAAAQAAAAJgAAAAgAAAD//////////w=="/>
+                <pr:smNativeData xmlns:pr="smNativeData" xmlns="smNativeData" val="SMDATA_17_0rbXYhMAAAAlAAAAEQAAAC0AAAAAkAAAAEgAAACQAAAASAAAAAAAAAAAAAAAAAAAAAEAAABQAAAAAAAAAAAA4D8AAAAAAADgPwAAAAAAAOA/AAAAAAAA4D8AAAAAAADgPwAAAAAAAOA/AAAAAAAA4D8AAAAAAADgPwAAAAAAAOA/AAAAAAAA4D8CAAAAjAAAAAAAAAAAAAAAT4G9DP///wgAAAAAAAAAAAAAAAAAAAAAAAAAAAAAAAAAAAAAZAAAAAEAAABAAAAAAAAAAAAAAAAAAAAAAAAAAAAAAAAAAAAAAAAAAAAAAAAAAAAAAAAAAAAAAAAAAAAAAAAAAAAAAAAAAAAAAAAAAAAAAAAAAAAAAAAAAAAAAAAAAAAAFAAAADwAAAAAAAAAAAAAAAAAAAkUAAAAAQAAABQAAAAUAAAAFAAAAAEAAAAAAAAAZAAAAGQAAAAAAAAAZAAAAGQAAAAVAAAAYAAAAAAAAAAAAAAADwAAACADAAAAAAAAAAAAAAEAAACgMgAAVgcAAKr4//8BAAAAf39/AAEAAABkAAAAAAAAABQAAABAHwAAAAAAACYAAAAAAAAAwOD//wAAAAAmAAAAZAAAABYAAABMAAAAAAAAAAAAAAAEAAAAAAAAAAEAAADu7OEKAAAAACgAAAAoAAAAZAAAAGQAAAAAAAAAzMzMAAAAAABQAAAAUAAAAGQAAABkAAAAAAAAAAcAAAA4AAAAAAAAAAAAAAAAAAAA////AAAAAAAAAAAAAAAAAAAAAAAAAAAAAAAAAAAAAABkAAAAZAAAAAAAAAAjAAAABAAAAGQAAAAXAAAAFAAAAAAAAAAAAAAA/38AAP9/AAAAAAAACQAAAAQAAAAAAAAAHgAAAGgAAAAAAAAAAAAAAAAAAAAAAAAAAAAAABAnAAAQJwAAAAAAAAAAAAAAAAAAAAAAAAAAAAAAAAAAAAAAAAAAAAAUAAAAAAAAAMDA/wAAAAAAZAAAADIAAAAAAAAAZAAAAAAAAAB/f38ACgAAACIAAAAYAAAAAAAAAAAAAAAAAAAAAAAAAAAAAAAAAAAAJAAAACQAAAAAAAAABwAAAAAAAAAAAAAAAAAAAAAAAAAAAAAAAAAAAH9/fwAlAAAAWAAAAAAAAAAAAAAAAAAAAAAAAAAAAAAAAAAAAAAAAAAAAAAAAAAAAAAAAAAAAAAAPwAAAAAAAACghgEAAAAAAAAAAAAAAAAADAAAAAEAAAAAAAAAAAAAAAAAAAAfAAAAVAAAAE+BvQX///8BAAAAAAAAAAAAAAAAAAAAAAAAAAAAAAAAAAAAAAAAAAAAAAACf39/AO7s4QPMzMwAwMD/AH9/fwAAAAAAAAAAAAAAAAD///8AAAAAACEAAAAYAAAAFAAAAJQHAACcEwAAUAoAAJQWAAAQAAAAJgAAAAgAAAD//////////w=="/>
               </a:ext>
             </a:extLst>
           </p:cNvPicPr>
@@ -7431,8 +7256,8 @@
         </p:blipFill>
         <p:spPr>
           <a:xfrm>
-            <a:off x="5073650" y="1739900"/>
-            <a:ext cx="2019300" cy="355600"/>
+            <a:off x="1231900" y="3187700"/>
+            <a:ext cx="444500" cy="482600"/>
           </a:xfrm>
           <a:prstGeom prst="rect">
             <a:avLst/>
@@ -7446,12 +7271,12 @@
       </p:pic>
       <p:pic>
         <p:nvPicPr>
-          <p:cNvPr id="6" name="Image 6"/>
+          <p:cNvPr id="6" name="Image 5"/>
           <p:cNvPicPr>
             <a:picLocks noChangeAspect="1"/>
             <a:extLst>
               <a:ext uri="smNativeData">
-                <pr:smNativeData xmlns:pr="smNativeData" xmlns="smNativeData" val="SMDATA_17_iunWYhMAAAAlAAAAEQAAAC0AAAAAkAAAAEgAAACQAAAASAAAAAAAAAAAAAAAAAAAAAEAAABQAAAAAAAAAAAA4D8AAAAAAADgPwAAAAAAAOA/AAAAAAAA4D8AAAAAAADgPwAAAAAAAOA/AAAAAAAA4D8AAAAAAADgPwAAAAAAAOA/AAAAAAAA4D8CAAAAjAAAAAAAAAAAAAAAT4G9DP///wgAAAAAAAAAAAAAAAAAAAAAAAAAAAAAAAAAAAAAZAAAAAEAAABAAAAAAAAAAAAAAAAAAAAAAAAAAAAAAAAAAAAAAAAAAAAAAAAAAAAAAAAAAAAAAAAAAAAAAAAAAAAAAAAAAAAAAAAAAAAAAAAAAAAAAAAAAAAAAAAAAAAAFAAAADwAAAAAAAAAAAAAAAAAAAkUAAAAAQAAABQAAAAUAAAAFAAAAAEAAAAAAAAAZAAAAGQAAAAAAAAAZAAAAGQAAAAVAAAAYAAAAAAAAAAAAAAADwAAACADAAAAAAAAAAAAAAEAAACgMgAAVgcAAKr4//8BAAAAf39/AAEAAABkAAAAAAAAABQAAABAHwAAAAAAACYAAAAAAAAAwOD//wAAAAAmAAAAZAAAABYAAABMAAAAAAAAAAAAAAAEAAAAAAAAAAEAAADu7OEKAAAAACgAAAAoAAAAZAAAAGQAAAAAAAAAzMzMAAAAAABQAAAAUAAAAGQAAABkAAAAAAAAAAcAAAA4AAAAAAAAAAAAAAAAAAAA////AAAAAAAAAAAAAAAAAAAAAAAAAAAAAAAAAAAAAABkAAAAZAAAAAAAAAAjAAAABAAAAGQAAAAXAAAAFAAAAAAAAAAAAAAA/38AAP9/AAAAAAAACQAAAAQAAAAAAAAAHgAAAGgAAAAAAAAAAAAAAAAAAAAAAAAAAAAAABAnAAAQJwAAAAAAAAAAAAAAAAAAAAAAAAAAAAAAAAAAAAAAAAAAAAAUAAAAAAAAAMDA/wAAAAAAZAAAADIAAAAAAAAAZAAAAAAAAAB/f38ACgAAACIAAAAYAAAAAAAAAAAAAAAAAAAAAAAAAAAAAAAAAAAAJAAAACQAAAAAAAAABwAAAAAAAAAAAAAAAAAAAAAAAAAAAAAAAAAAAH9/fwAlAAAAWAAAAAAAAAAAAAAAAAAAAAAAAAAAAAAAAAAAAAAAAAAAAAAAAAAAAAAAAAAAAAAAPwAAAAAAAACghgEAAAAAAAAAAAAAAAAADAAAAAEAAAAAAAAAAAAAAAAAAAAfAAAAVAAAAE+BvQX///8BAAAAAAAAAAAAAAAAAAAAAAAAAAAAAAAAAAAAAAAAAAAAAAACf39/AO7s4QPMzMwAwMD/AH9/fwAAAAAAAAAAAAAAAAD///8AAAAAACEAAAAYAAAAFAAAAKgvAACMCgAAQDgAAJQRAAAQAAAAJgAAAAgAAAD//////////w=="/>
+                <pr:smNativeData xmlns:pr="smNativeData" xmlns="smNativeData" val="SMDATA_17_0rbXYhMAAAAlAAAAEQAAAC0AAAAAkAAAAEgAAACQAAAASAAAAAAAAAAAAAAAAAAAAAEAAABQAAAAAAAAAAAA4D8AAAAAAADgPwAAAAAAAOA/AAAAAAAA4D8AAAAAAADgPwAAAAAAAOA/AAAAAAAA4D8AAAAAAADgPwAAAAAAAOA/AAAAAAAA4D8CAAAAjAAAAAAAAAAAAAAAT4G9DP///wgAAAAAAAAAAAAAAAAAAAAAAAAAAAAAAAAAAAAAZAAAAAEAAABAAAAAAAAAAAAAAAAAAAAAAAAAAAAAAAAAAAAAAAAAAAAAAAAAAAAAAAAAAAAAAAAAAAAAAAAAAAAAAAAAAAAAAAAAAAAAAAAAAAAAAAAAAAAAAAAAAAAAFAAAADwAAAAAAAAAAAAAAAAAAAkUAAAAAQAAABQAAAAUAAAAFAAAAAEAAAAAAAAAZAAAAGQAAAAAAAAAZAAAAGQAAAAVAAAAYAAAAAAAAAAAAAAADwAAACADAAAAAAAAAAAAAAEAAACgMgAAVgcAAKr4//8BAAAAf39/AAEAAABkAAAAAAAAABQAAABAHwAAAAAAACYAAAAAAAAAwOD//wAAAAAmAAAAZAAAABYAAABMAAAAAAAAAAAAAAAEAAAAAAAAAAEAAADu7OEKAAAAACgAAAAoAAAAZAAAAGQAAAAAAAAAzMzMAAAAAABQAAAAUAAAAGQAAABkAAAAAAAAAAcAAAA4AAAAAAAAAAAAAAAAAAAA////AAAAAAAAAAAAAAAAAAAAAAAAAAAAAAAAAAAAAABkAAAAZAAAAAAAAAAjAAAABAAAAGQAAAAXAAAAFAAAAAAAAAAAAAAA/38AAP9/AAAAAAAACQAAAAQAAAAAAAAAHgAAAGgAAAAAAAAAAAAAAAAAAAAAAAAAAAAAABAnAAAQJwAAAAAAAAAAAAAAAAAAAAAAAAAAAAAAAAAAAAAAAAAAAAAUAAAAAAAAAMDA/wAAAAAAZAAAADIAAAAAAAAAZAAAAAAAAAB/f38ACgAAACIAAAAYAAAAAAAAAAAAAAAAAAAAAAAAAAAAAAAAAAAAJAAAACQAAAAAAAAABwAAAAAAAAAAAAAAAAAAAAAAAAAAAAAAAAAAAH9/fwAlAAAAWAAAAAAAAAAAAAAAAAAAAAAAAAAAAAAAAAAAAAAAAAAAAAAAAAAAAAAAAAAAAAAAPwAAAAAAAACghgEAAAAAAAAAAAAAAAAADAAAAAEAAAAAAAAAAAAAAAAAAAAfAAAAVAAAAE+BvQX///8BAAAAAAAAAAAAAAAAAAAAAAAAAAAAAAAAAAAAAAAAAAAAAAACf39/AO7s4QPMzMwAwMD/AH9/fwAAAAAAAAAAAAAAAAD///8AAAAAACEAAAAYAAAAFAAAAGwHAAA8GQAAUAoAAJQbAAAQAAAAJgAAAAgAAAD//////////w=="/>
               </a:ext>
             </a:extLst>
           </p:cNvPicPr>
@@ -7465,8 +7290,8 @@
         </p:blipFill>
         <p:spPr>
           <a:xfrm>
-            <a:off x="7747000" y="1714500"/>
-            <a:ext cx="1397000" cy="1143000"/>
+            <a:off x="1206500" y="4102100"/>
+            <a:ext cx="469900" cy="381000"/>
           </a:xfrm>
           <a:prstGeom prst="rect">
             <a:avLst/>
@@ -7480,12 +7305,12 @@
       </p:pic>
       <p:pic>
         <p:nvPicPr>
-          <p:cNvPr id="7" name="Image 7"/>
+          <p:cNvPr id="7" name="Image 6"/>
           <p:cNvPicPr>
             <a:picLocks noChangeAspect="1"/>
             <a:extLst>
               <a:ext uri="smNativeData">
-                <pr:smNativeData xmlns:pr="smNativeData" xmlns="smNativeData" val="SMDATA_17_iunWYhMAAAAlAAAAEQAAAC0AAAAAkAAAAEgAAACQAAAASAAAAAAAAAAAAAAAAAAAAAEAAABQAAAAAAAAAAAA4D8AAAAAAADgPwAAAAAAAOA/AAAAAAAA4D8AAAAAAADgPwAAAAAAAOA/AAAAAAAA4D8AAAAAAADgPwAAAAAAAOA/AAAAAAAA4D8CAAAAjAAAAAAAAAAAAAAAT4G9DP///wgAAAAAAAAAAAAAAAAAAAAAAAAAAAAAAAAAAAAAZAAAAAEAAABAAAAAAAAAAAAAAAAAAAAAAAAAAAAAAAAAAAAAAAAAAAAAAAAAAAAAAAAAAAAAAAAAAAAAAAAAAAAAAAAAAAAAAAAAAAAAAAAAAAAAAAAAAAAAAAAAAAAAFAAAADwAAAAAAAAAAAAAAAAAAAkUAAAAAQAAABQAAAAUAAAAFAAAAAEAAAAAAAAAZAAAAGQAAAAAAAAAZAAAAGQAAAAVAAAAYAAAAAAAAAAAAAAADwAAACADAAAAAAAAAAAAAAEAAACgMgAAVgcAAKr4//8BAAAAf39/AAEAAABkAAAAAAAAABQAAABAHwAAAAAAACYAAAAAAAAAwOD//wAAAAAmAAAAZAAAABYAAABMAAAAAAAAAAAAAAAEAAAAAAAAAAEAAADu7OEKAAAAACgAAAAoAAAAZAAAAGQAAAAAAAAAzMzMAAAAAABQAAAAUAAAAGQAAABkAAAAAAAAAAcAAAA4AAAAAAAAAAAAAAAAAAAA////AAAAAAAAAAAAAAAAAAAAAAAAAAAAAAAAAAAAAABkAAAAZAAAAAAAAAAjAAAABAAAAGQAAAAXAAAAFAAAAAAAAAAAAAAA/38AAP9/AAAAAAAACQAAAAQAAAAAAAAAHgAAAGgAAAAAAAAAAAAAAAAAAAAAAAAAAAAAABAnAAAQJwAAAAAAAAAAAAAAAAAAAAAAAAAAAAAAAAAAAAAAAAAAAAAUAAAAAAAAAMDA/wAAAAAAZAAAADIAAAAAAAAAZAAAAAAAAAB/f38ACgAAACIAAAAYAAAAAAAAAAAAAAAAAAAAAAAAAAAAAAAAAAAAJAAAACQAAAAAAAAABwAAAAAAAAAAAAAAAAAAAAAAAAAAAAAAAAAAAH9/fwAlAAAAWAAAAAAAAAAAAAAAAAAAAAAAAAAAAAAAAAAAAAAAAAAAAAAAAAAAAAAAAAAAAAAAPwAAAAAAAACghgEAAAAAAAAAAAAAAAAADAAAAAEAAAAAAAAAAAAAAAAAAAAfAAAAVAAAAE+BvQX///8BAAAAAAAAAAAAAAAAAAAAAAAAAAAAAAAAAAAAAAAAAAAAAAACf39/AO7s4QPMzMwAwMD/AH9/fwAAAAAAAAAAAAAAAAD///8AAAAAACEAAAAYAAAAFAAAAJIdAADQEQAA5igAACgZAAAQAAAAJgAAAAgAAAD//////////w=="/>
+                <pr:smNativeData xmlns:pr="smNativeData" xmlns="smNativeData" val="SMDATA_17_0rbXYhMAAAAlAAAAEQAAAC0AAAAAkAAAAEgAAACQAAAASAAAAAAAAAAAAAAAAAAAAAEAAABQAAAAAAAAAAAA4D8AAAAAAADgPwAAAAAAAOA/AAAAAAAA4D8AAAAAAADgPwAAAAAAAOA/AAAAAAAA4D8AAAAAAADgPwAAAAAAAOA/AAAAAAAA4D8CAAAAjAAAAAAAAAAAAAAAT4G9DP///wgAAAAAAAAAAAAAAAAAAAAAAAAAAAAAAAAAAAAAZAAAAAEAAABAAAAAAAAAAAAAAAAAAAAAAAAAAAAAAAAAAAAAAAAAAAAAAAAAAAAAAAAAAAAAAAAAAAAAAAAAAAAAAAAAAAAAAAAAAAAAAAAAAAAAAAAAAAAAAAAAAAAAFAAAADwAAAAAAAAAAAAAAAAAAAkUAAAAAQAAABQAAAAUAAAAFAAAAAEAAAAAAAAAZAAAAGQAAAAAAAAAZAAAAGQAAAAVAAAAYAAAAAAAAAAAAAAADwAAACADAAAAAAAAAAAAAAEAAACgMgAAVgcAAKr4//8BAAAAf39/AAEAAABkAAAAAAAAABQAAABAHwAAAAAAACYAAAAAAAAAwOD//wAAAAAmAAAAZAAAABYAAABMAAAAAAAAAAAAAAAEAAAAAAAAAAEAAADu7OEKAAAAACgAAAAoAAAAZAAAAGQAAAAAAAAAzMzMAAAAAABQAAAAUAAAAGQAAABkAAAAAAAAAAcAAAA4AAAAAAAAAAAAAAAAAAAA////AAAAAAAAAAAAAAAAAAAAAAAAAAAAAAAAAAAAAABkAAAAZAAAAAAAAAAjAAAABAAAAGQAAAAXAAAAFAAAAAAAAAAAAAAA/38AAP9/AAAAAAAACQAAAAQAAAAAAAAAHgAAAGgAAAAAAAAAAAAAAAAAAAAAAAAAAAAAABAnAAAQJwAAAAAAAAAAAAAAAAAAAAAAAAAAAAAAAAAAAAAAAAAAAAAUAAAAAAAAAMDA/wAAAAAAZAAAADIAAAAAAAAAZAAAAAAAAAB/f38ACgAAACIAAAAYAAAAAAAAAAAAAAAAAAAAAAAAAAAAAAAAAAAAJAAAACQAAAAAAAAABwAAAAAAAAAAAAAAAAAAAAAAAAAAAAAAAAAAAH9/fwAlAAAAWAAAAAAAAAAAAAAAAAAAAAAAAAAAAAAAAAAAAAAAAAAAAAAAAAAAAAAAAAAAAAAAPwAAAAAAAACghgEAAAAAAAAAAAAAAAAADAAAAAEAAAAAAAAAAAAAAAAAAAAfAAAAVAAAAE+BvQX///8BAAAAAAAAAAAAAAAAAAAAAAAAAAAAAAAAAAAAAAAAAAAAAAACf39/AO7s4QPMzMwAwMD/AH9/fwAAAAAAAAAAAAAAAAD///8AAAAAACEAAAAYAAAAFAAAAIAHAACUFgAAKAoAAOwYAAAQAAAAJgAAAAgAAAD//////////w=="/>
               </a:ext>
             </a:extLst>
           </p:cNvPicPr>
@@ -7499,8 +7324,8 @@
         </p:blipFill>
         <p:spPr>
           <a:xfrm>
-            <a:off x="4806950" y="2895600"/>
-            <a:ext cx="1841500" cy="1193800"/>
+            <a:off x="1219200" y="3670300"/>
+            <a:ext cx="431800" cy="381000"/>
           </a:xfrm>
           <a:prstGeom prst="rect">
             <a:avLst/>
@@ -7514,12 +7339,12 @@
       </p:pic>
       <p:pic>
         <p:nvPicPr>
-          <p:cNvPr id="8" name="Image 8"/>
+          <p:cNvPr id="8" name="Image 7"/>
           <p:cNvPicPr>
             <a:picLocks noChangeAspect="1"/>
             <a:extLst>
               <a:ext uri="smNativeData">
-                <pr:smNativeData xmlns:pr="smNativeData" xmlns="smNativeData" val="SMDATA_17_iunWYhMAAAAlAAAAEQAAAC0AAAAAkAAAAEgAAACQAAAASAAAAAAAAAAAAAAAAAAAAAEAAABQAAAAAAAAAAAA4D8AAAAAAADgPwAAAAAAAOA/AAAAAAAA4D8AAAAAAADgPwAAAAAAAOA/AAAAAAAA4D8AAAAAAADgPwAAAAAAAOA/AAAAAAAA4D8CAAAAjAAAAAAAAAAAAAAAT4G9DP///wgAAAAAAAAAAAAAAAAAAAAAAAAAAAAAAAAAAAAAZAAAAAEAAABAAAAAAAAAAAAAAAAAAAAAAAAAAAAAAAAAAAAAAAAAAAAAAAAAAAAAAAAAAAAAAAAAAAAAAAAAAAAAAAAAAAAAAAAAAAAAAAAAAAAAAAAAAAAAAAAAAAAAFAAAADwAAAAAAAAAAAAAAAAAAAkUAAAAAQAAABQAAAAUAAAAFAAAAAEAAAAAAAAAZAAAAGQAAAAAAAAAZAAAAGQAAAAVAAAAYAAAAAAAAAAAAAAADwAAACADAAAAAAAAAAAAAAEAAACgMgAAVgcAAKr4//8BAAAAf39/AAEAAABkAAAAAAAAABQAAABAHwAAAAAAACYAAAAAAAAAwOD//wAAAAAmAAAAZAAAABYAAABMAAAAAAAAAAAAAAAEAAAAAAAAAAEAAADu7OEKAAAAACgAAAAoAAAAZAAAAGQAAAAAAAAAzMzMAAAAAABQAAAAUAAAAGQAAABkAAAAAAAAAAcAAAA4AAAAAAAAAAAAAAAAAAAA////AAAAAAAAAAAAAAAAAAAAAAAAAAAAAAAAAAAAAABkAAAAZAAAAAAAAAAjAAAABAAAAGQAAAAXAAAAFAAAAAAAAAAAAAAA/38AAP9/AAAAAAAACQAAAAQAAAAAAAAAHgAAAGgAAAAAAAAAAAAAAAAAAAAAAAAAAAAAABAnAAAQJwAAAAAAAAAAAAAAAAAAAAAAAAAAAAAAAAAAAAAAAAAAAAAUAAAAAAAAAMDA/wAAAAAAZAAAADIAAAAAAAAAZAAAAAAAAAB/f38ACgAAACIAAAAYAAAAAAAAAAAAAAAAAAAAAAAAAAAAAAAAAAAAJAAAACQAAAAAAAAABwAAAAAAAAAAAAAAAAAAAAAAAAAAAAAAAAAAAH9/fwAlAAAAWAAAAAAAAAAAAAAAAAAAAAAAAAAAAAAAAAAAAAAAAAAAAAAAAAAAAAAAAAAAAAAAPwAAAAAAAACghgEAAAAAAAAAAAAAAAAADAAAAAEAAAAAAAAAAAAAAAAAAAAfAAAAVAAAAE+BvQX///8BAAAAAAAAAAAAAAAAAAAAAAAAAAAAAAAAAAAAAAAAAAAAAAACf39/AO7s4QPMzMwAwMD/AH9/fwAAAAAAAAAAAAAAAAD///8AAAAAACEAAAAYAAAAFAAAANwZAAC0GQAAMCUAAJQbAAAQAAAAJgAAAAgAAAD//////////w=="/>
+                <pr:smNativeData xmlns:pr="smNativeData" xmlns="smNativeData" val="SMDATA_17_0rbXYhMAAAAlAAAAEQAAAC0AAAAAkAAAAEgAAACQAAAASAAAAAAAAAAAAAAAAAAAAAEAAABQAAAAAAAAAAAA4D8AAAAAAADgPwAAAAAAAOA/AAAAAAAA4D8AAAAAAADgPwAAAAAAAOA/AAAAAAAA4D8AAAAAAADgPwAAAAAAAOA/AAAAAAAA4D8CAAAAjAAAAAAAAAAAAAAAT4G9DP///wgAAAAAAAAAAAAAAAAAAAAAAAAAAAAAAAAAAAAAZAAAAAEAAABAAAAAAAAAAAAAAAAAAAAAAAAAAAAAAAAAAAAAAAAAAAAAAAAAAAAAAAAAAAAAAAAAAAAAAAAAAAAAAAAAAAAAAAAAAAAAAAAAAAAAAAAAAAAAAAAAAAAAFAAAADwAAAAAAAAAAAAAAAAAAAkUAAAAAQAAABQAAAAUAAAAFAAAAAEAAAAAAAAAZAAAAGQAAAAAAAAAZAAAAGQAAAAVAAAAYAAAAAAAAAAAAAAADwAAACADAAAAAAAAAAAAAAEAAACgMgAAVgcAAKr4//8BAAAAf39/AAEAAABkAAAAAAAAABQAAABAHwAAAAAAACYAAAAAAAAAwOD//wAAAAAmAAAAZAAAABYAAABMAAAAAAAAAAAAAAAEAAAAAAAAAAEAAADu7OEKAAAAACgAAAAoAAAAZAAAAGQAAAAAAAAAzMzMAAAAAABQAAAAUAAAAGQAAABkAAAAAAAAAAcAAAA4AAAAAAAAAAAAAAAAAAAA////AAAAAAAAAAAAAAAAAAAAAAAAAAAAAAAAAAAAAABkAAAAZAAAAAAAAAAjAAAABAAAAGQAAAAXAAAAFAAAAAAAAAAAAAAA/38AAP9/AAAAAAAACQAAAAQAAAAAAAAAHgAAAGgAAAAAAAAAAAAAAAAAAAAAAAAAAAAAABAnAAAQJwAAAAAAAAAAAAAAAAAAAAAAAAAAAAAAAAAAAAAAAAAAAAAUAAAAAAAAAMDA/wAAAAAAZAAAADIAAAAAAAAAZAAAAAAAAAB/f38ACgAAACIAAAAYAAAAAAAAAAAAAAAAAAAAAAAAAAAAAAAAAAAAJAAAACQAAAAAAAAABwAAAAAAAAAAAAAAAAAAAAAAAAAAAAAAAAAAAH9/fwAlAAAAWAAAAAAAAAAAAAAAAAAAAAAAAAAAAAAAAAAAAAAAAAAAAAAAAAAAAAAAAAAAAAAAPwAAAAAAAACghgEAAAAAAAAAAAAAAAAADAAAAAEAAAAAAAAAAAAAAAAAAAAfAAAAVAAAAE+BvQX///8BAAAAAAAAAAAAAAAAAAAAAAAAAAAAAAAAAAAAAAAAAAAAAAACf39/AO7s4QPMzMwAwMD/AH9/fwAAAAAAAAAAAAAAAAD///8AAAAAACEAAAAYAAAAFAAAADwFAAA8GQAA0AcAAKgbAAAQAAAAJgAAAAgAAAD//////////w=="/>
               </a:ext>
             </a:extLst>
           </p:cNvPicPr>
@@ -7533,42 +7358,8 @@
         </p:blipFill>
         <p:spPr>
           <a:xfrm>
-            <a:off x="4203700" y="4178300"/>
-            <a:ext cx="1841500" cy="304800"/>
-          </a:xfrm>
-          <a:prstGeom prst="rect">
-            <a:avLst/>
-          </a:prstGeom>
-          <a:noFill/>
-          <a:ln>
-            <a:noFill/>
-          </a:ln>
-          <a:effectLst/>
-        </p:spPr>
-      </p:pic>
-      <p:pic>
-        <p:nvPicPr>
-          <p:cNvPr id="9" name="Image 9"/>
-          <p:cNvPicPr>
-            <a:picLocks noChangeAspect="1"/>
-            <a:extLst>
-              <a:ext uri="smNativeData">
-                <pr:smNativeData xmlns:pr="smNativeData" xmlns="smNativeData" val="SMDATA_17_iunWYhMAAAAlAAAAEQAAAC0AAAAAkAAAAEgAAACQAAAASAAAAAAAAAAAAAAAAAAAAAEAAABQAAAAAAAAAAAA4D8AAAAAAADgPwAAAAAAAOA/AAAAAAAA4D8AAAAAAADgPwAAAAAAAOA/AAAAAAAA4D8AAAAAAADgPwAAAAAAAOA/AAAAAAAA4D8CAAAAjAAAAAAAAAAAAAAAT4G9DP///wgAAAAAAAAAAAAAAAAAAAAAAAAAAAAAAAAAAAAAZAAAAAEAAABAAAAAAAAAAAAAAAAAAAAAAAAAAAAAAAAAAAAAAAAAAAAAAAAAAAAAAAAAAAAAAAAAAAAAAAAAAAAAAAAAAAAAAAAAAAAAAAAAAAAAAAAAAAAAAAAAAAAAFAAAADwAAAAAAAAAAAAAAAAAAAkUAAAAAQAAABQAAAAUAAAAFAAAAAEAAAAAAAAAZAAAAGQAAAAAAAAAZAAAAGQAAAAVAAAAYAAAAAAAAAAAAAAADwAAACADAAAAAAAAAAAAAAEAAACgMgAAVgcAAKr4//8BAAAAf39/AAEAAABkAAAAAAAAABQAAABAHwAAAAAAACYAAAAAAAAAwOD//wAAAAAmAAAAZAAAABYAAABMAAAAAAAAAAAAAAAEAAAAAAAAAAEAAADu7OEKAAAAACgAAAAoAAAAZAAAAGQAAAAAAAAAzMzMAAAAAABQAAAAUAAAAGQAAABkAAAAAAAAAAcAAAA4AAAAAAAAAAAAAAAAAAAA////AAAAAAAAAAAAAAAAAAAAAAAAAAAAAAAAAAAAAABkAAAAZAAAAAAAAAAjAAAABAAAAGQAAAAXAAAAFAAAAAAAAAAAAAAA/38AAP9/AAAAAAAACQAAAAQAAAAAAAAAHgAAAGgAAAAAAAAAAAAAAAAAAAAAAAAAAAAAABAnAAAQJwAAAAAAAAAAAAAAAAAAAAAAAAAAAAAAAAAAAAAAAAAAAAAUAAAAAAAAAMDA/wAAAAAAZAAAADIAAAAAAAAAZAAAAAAAAAB/f38ACgAAACIAAAAYAAAAAAAAAAAAAAAAAAAAAAAAAAAAAAAAAAAAJAAAACQAAAAAAAAABwAAAAAAAAAAAAAAAAAAAAAAAAAAAAAAAAAAAH9/fwAlAAAAWAAAAAAAAAAAAAAAAAAAAAAAAAAAAAAAAAAAAAAAAAAAAAAAAAAAAAAAAAAAAAAAPwAAAAAAAACghgEAAAAAAAAAAAAAAAAADAAAAAEAAAAAAAAAAAAAAAAAAAAfAAAAVAAAAE+BvQX///8BAAAAAAAAAAAAAAAAAAAAAAAAAAAAAAAAAAAAAAAAAAAAAAACf39/AO7s4QPMzMwAwMD/AH9/fwAAAAAAAAAAAAAAAAD///8AAAAAACEAAAAYAAAAFAAAADAlAAAoHgAALDgAADAqAAAQAAAAJgAAAAgAAAD//////////w=="/>
-              </a:ext>
-            </a:extLst>
-          </p:cNvPicPr>
-          <p:nvPr/>
-        </p:nvPicPr>
-        <p:blipFill>
-          <a:blip r:embed="rId7"/>
-          <a:stretch>
-            <a:fillRect/>
-          </a:stretch>
-        </p:blipFill>
-        <p:spPr>
-          <a:xfrm>
-            <a:off x="6045200" y="4902200"/>
-            <a:ext cx="3086100" cy="1955800"/>
+            <a:off x="850900" y="4102100"/>
+            <a:ext cx="419100" cy="393700"/>
           </a:xfrm>
           <a:prstGeom prst="rect">
             <a:avLst/>
@@ -7619,7 +7410,375 @@
             <a:spLocks noGrp="1" noChangeArrowheads="1"/>
             <a:extLst>
               <a:ext uri="smNativeData">
-                <pr:smNativeData xmlns:pr="smNativeData" xmlns="smNativeData" val="SMDATA_15_iunWYhMAAAAlAAAAZAAAAA0AAAAAkAAAAEgAAACQAAAASAAAAAAAAAABAAAAAAAAAAEAAABQAAAAAAAAAAAA4D8AAAAAAADgPwAAAAAAAOA/AAAAAAAA4D8AAAAAAADgPwAAAAAAAOA/AAAAAAAA4D8AAAAAAADgPwAAAAAAAOA/AAAAAAAA4D8CAAAAjAAAAAAAAAAAAAAAT4G9DP///wgAAAAAAAAAAAAAAAAAAAAAAAAAAAAAAAAAAAAAZAAAAAEAAABAAAAAAAAAAAAAAAAAAAAAAAAAAAAAAAAAAAAAAAAAAAAAAAAAAAAAAAAAAAAAAAAAAAAAAAAAAAAAAAAAAAAAAAAAAAAAAAAAAAAAAAAAAAAAAAAAAAAAFAAAADwAAAAAAAAAAAAAAAAAAAkUAAAAAQAAABQAAAAUAAAAFAAAAAEAAAAAAAAAZAAAAGQAAAAAAAAAZAAAAGQAAAAVAAAAYAAAAAAAAAAAAAAADwAAACADAAAAAAAAAAAAAAEAAACgMgAAVgcAAKr4//8BAAAAf39/AAEAAABkAAAAAAAAABQAAABAHwAAAAAAACYAAAAAAAAAwOD//wAAAAAmAAAAZAAAABYAAABMAAAAAAAAAAAAAAAEAAAAAAAAAAEAAADu7OEKAAAAACgAAAAoAAAAZAAAAGQAAAAAAAAAzMzMAAAAAABQAAAAUAAAAGQAAABkAAAAAAAAABcAAAAUAAAAAAAAAAAAAAD/fwAA/38AAAAAAAAJAAAABAAAAAAAAAAeAAAAaAAAAAAAAAAAAAAAAAAAAAAAAAAAAAAAECcAABAnAAAAAAAAAAAAAAAAAAAAAAAAAAAAAAAAAAAAAAAAAAAAABQAAAAAAAAAwMD/AAAAAABkAAAAMgAAAAAAAABkAAAAAAAAAH9/fwAKAAAAIgAAABgAAAAAAAAAAAAAAAAAAAAAAAAAAAAAAAAAAAAkAAAAJAAAAAAAAAAHAAAAAAAAAAAAAAAAAAAAAAAAAAAAAAAAAAAAf39/ACUAAABYAAAAAAAAAAAAAAAAAAAAAAAAAAAAAAAAAAAAAAAAAAAAAAAAAAAAAAAAAAAAAAA/AAAAAAAAAKCGAQAAAAAAAAAAAAAAAAAMAAAAAQAAAAAAAAAAAAAAAAAAAB8AAABUAAAAT4G9Bf///wEAAAAAAAAAAAAAAAAAAAAAAAAAAAAAAAAAAAAAAAAAAAAAAAJ/f38A7uzhA8zMzADAwP8Af39/AAAAAAAAAAAAAAAAAAAAAAAAAAAAIQAAABgAAAAUAAAA0AIAALEBAABwNQAAuQgAABAAAAAmAAAACAAAAAAAAAAAAAAA"/>
+                <pr:smNativeData xmlns:pr="smNativeData" xmlns="smNativeData" val="SMDATA_15_0rbXYhMAAAAlAAAAZAAAAA0AAAAAkAAAAEgAAACQAAAASAAAAAAAAAABAAAAAAAAAAEAAABQAAAAAAAAAAAA4D8AAAAAAADgPwAAAAAAAOA/AAAAAAAA4D8AAAAAAADgPwAAAAAAAOA/AAAAAAAA4D8AAAAAAADgPwAAAAAAAOA/AAAAAAAA4D8CAAAAjAAAAAAAAAAAAAAAT4G9DP///wgAAAAAAAAAAAAAAAAAAAAAAAAAAAAAAAAAAAAAZAAAAAEAAABAAAAAAAAAAAAAAAAAAAAAAAAAAAAAAAAAAAAAAAAAAAAAAAAAAAAAAAAAAAAAAAAAAAAAAAAAAAAAAAAAAAAAAAAAAAAAAAAAAAAAAAAAAAAAAAAAAAAAFAAAADwAAAAAAAAAAAAAAAAAAAkUAAAAAQAAABQAAAAUAAAAFAAAAAEAAAAAAAAAZAAAAGQAAAAAAAAAZAAAAGQAAAAVAAAAYAAAAAAAAAAAAAAADwAAACADAAAAAAAAAAAAAAEAAACgMgAAVgcAAKr4//8BAAAAf39/AAEAAABkAAAAAAAAABQAAABAHwAAAAAAACYAAAAAAAAAwOD//wAAAAAmAAAAZAAAABYAAABMAAAAAAAAAAAAAAAEAAAAAAAAAAEAAADu7OEKAAAAACgAAAAoAAAAZAAAAGQAAAAAAAAAzMzMAAAAAABQAAAAUAAAAGQAAABkAAAAAAAAABcAAAAUAAAAAAAAAAAAAAD/fwAA/38AAAAAAAAJAAAABAAAAAAAAAAeAAAAaAAAAAAAAAAAAAAAAAAAAAAAAAAAAAAAECcAABAnAAAAAAAAAAAAAAAAAAAAAAAAAAAAAAAAAAAAAAAAAAAAABQAAAAAAAAAwMD/AAAAAABkAAAAMgAAAAAAAABkAAAAAAAAAH9/fwAKAAAAIgAAABgAAAAAAAAAAAAAAAAAAAAAAAAAAAAAAAAAAAAkAAAAJAAAAAAAAAAHAAAAAAAAAAAAAAAAAAAAAAAAAAAAAAAAAAAAf39/ACUAAABYAAAAAAAAAAAAAAAAAAAAAAAAAAAAAAAAAAAAAAAAAAAAAAAAAAAAAAAAAAAAAAA/AAAAAAAAAKCGAQAAAAAAAAAAAAAAAAAMAAAAAQAAAAAAAAAAAAAAAAAAAB8AAABUAAAAT4G9Bf///wEAAAAAAAAAAAAAAAAAAAAAAAAAAAAAAAAAAAAAAAAAAAAAAAJ/f38A7uzhA8zMzADAwP8Af39/AAAAAAAAAAAAAAAAAAAAAAAAAAAAIQAAABgAAAAUAAAA0AIAALEBAABwNQAAuQgAAAAAAAAmAAAACAAAAAEAAAAAAAAA"/>
+              </a:ext>
+            </a:extLst>
+          </p:cNvSpPr>
+          <p:nvPr>
+            <p:ph type="title"/>
+          </p:nvPr>
+        </p:nvSpPr>
+        <p:spPr>
+          <a:xfrm>
+            <a:off x="457200" y="274955"/>
+            <a:ext cx="8229600" cy="1143000"/>
+          </a:xfrm>
+        </p:spPr>
+        <p:txBody>
+          <a:bodyPr/>
+          <a:lstStyle/>
+          <a:p>
+            <a:pPr>
+              <a:defRPr lang="fr-fr"/>
+            </a:pPr>
+            <a:r>
+              <a:t>The Rev language: more details</a:t>
+            </a:r>
+          </a:p>
+        </p:txBody>
+      </p:sp>
+      <p:sp>
+        <p:nvSpPr>
+          <p:cNvPr id="3" name="Espace réservé du contenu 2"/>
+          <p:cNvSpPr>
+            <a:spLocks noGrp="1" noChangeArrowheads="1"/>
+            <a:extLst>
+              <a:ext uri="smNativeData">
+                <pr:smNativeData xmlns:pr="smNativeData" xmlns="smNativeData" val="SMDATA_15_0rbXYhMAAAAlAAAAZAAAAA0AAAAAkAAAAEgAAACQAAAASAAAAAAAAAAAAAAAAAAAAAEAAABQAAAAAAAAAAAA4D8AAAAAAADgPwAAAAAAAOA/AAAAAAAA4D8AAAAAAADgPwAAAAAAAOA/AAAAAAAA4D8AAAAAAADgPwAAAAAAAOA/AAAAAAAA4D8CAAAAjAAAAAAAAAAAAAAAT4G9DP///wgAAAAAAAAAAAAAAAAAAAAAAAAAAAAAAAAAAAAAZAAAAAEAAABAAAAAAAAAAAAAAAAAAAAAAAAAAAAAAAAAAAAAAAAAAAAAAAAAAAAAAAAAAAAAAAAAAAAAAAAAAAAAAAAAAAAAAAAAAAAAAAAAAAAAAAAAAAAAAAAAAAAAFAAAADwAAAAAAAAAAAAAAAAAAAkUAAAAAQAAABQAAAAUAAAAFAAAAAEAAAAAAAAAZAAAAGQAAAAAAAAAZAAAAGQAAAAVAAAAYAAAAAAAAAAAAAAADwAAACADAAAAAAAAAAAAAAEAAACgMgAAVgcAAKr4//8BAAAAf39/AAEAAABkAAAAAAAAABQAAABAHwAAAAAAACYAAAAAAAAAwOD//wAAAAAmAAAAZAAAABYAAABMAAAAAAAAAAAAAAAEAAAAAAAAAAEAAADu7OEKAAAAACgAAAAoAAAAZAAAAGQAAAAAAAAAzMzMAAAAAABQAAAAUAAAAGQAAABkAAAAAAAAABcAAAAUAAAAAAAAAAAAAAD/fwAA/38AAAAAAAAJAAAABAAAAAAAAAAeAAAAaAAAAAAAAAAAAAAAAAAAAAAAAAAAAAAAECcAABAnAAAAAAAAAAAAAAAAAAAAAAAAAAAAAAAAAAAAAAAAAAAAABQAAAAAAAAAwMD/AAAAAABkAAAAMgAAAAAAAABkAAAAAAAAAH9/fwAKAAAAIgAAABgAAAAAAAAAAAAAAAAAAAAAAAAAAAAAAAAAAAAkAAAAJAAAAAAAAAAHAAAAAAAAAAAAAAAAAAAAAAAAAAAAAAAAAAAAf39/ACUAAABYAAAAAAAAAAAAAAAAAAAAAAAAAAAAAAAAAAAAAAAAAAAAAAAAAAAAAAAAAAAAAAA/AAAAAAAAAKCGAQAAAAAAAAAAAAAAAAAMAAAAAQAAAAAAAAAAAAAAAAAAAB8AAABUAAAAT4G9Bf///wEAAAAAAAAAAAAAAAAAAAAAAAAAAAAAAAAAAAAAAAAAAAAAAAJ/f38A7uzhA8zMzADAwP8Af39/AAAAAAAAAAAAAAAAAAAAAAAAAAAAIQAAABgAAAAUAAAA0AIAANgJAABwNQAAMCoAABAAAAAmAAAACAAAAAEgAAAAAAAA"/>
+              </a:ext>
+            </a:extLst>
+          </p:cNvSpPr>
+          <p:nvPr>
+            <p:ph type="body" idx="1"/>
+          </p:nvPr>
+        </p:nvSpPr>
+        <p:spPr>
+          <a:xfrm>
+            <a:off x="457200" y="1600200"/>
+            <a:ext cx="8229600" cy="5257800"/>
+          </a:xfrm>
+        </p:spPr>
+        <p:txBody>
+          <a:bodyPr vert="horz" wrap="square" lIns="91440" tIns="45720" rIns="91440" bIns="45720" numCol="1" spcCol="215900" anchor="t">
+            <a:prstTxWarp prst="textNoShape">
+              <a:avLst/>
+            </a:prstTxWarp>
+          </a:bodyPr>
+          <a:lstStyle/>
+          <a:p>
+            <a:pPr>
+              <a:defRPr lang="fr-fr"/>
+            </a:pPr>
+            <a:r>
+              <a:t>Vectors:					    or:					   or:</a:t>
+            </a:r>
+          </a:p>
+          <a:p>
+            <a:pPr>
+              <a:defRPr lang="fr-fr"/>
+            </a:pPr>
+          </a:p>
+          <a:p>
+            <a:pPr>
+              <a:defRPr lang="fr-fr"/>
+            </a:pPr>
+            <a:r>
+              <a:t>Convenience functions:</a:t>
+            </a:r>
+          </a:p>
+          <a:p>
+            <a:pPr>
+              <a:defRPr lang="fr-fr"/>
+            </a:pPr>
+          </a:p>
+          <a:p>
+            <a:pPr>
+              <a:defRPr lang="fr-fr"/>
+            </a:pPr>
+            <a:r>
+              <a:t>Vectors are objects: </a:t>
+            </a:r>
+          </a:p>
+          <a:p>
+            <a:pPr>
+              <a:defRPr lang="fr-fr"/>
+            </a:pPr>
+          </a:p>
+          <a:p>
+            <a:pPr>
+              <a:defRPr lang="fr-fr"/>
+            </a:pPr>
+            <a:r>
+              <a:t>Control structures: </a:t>
+            </a:r>
+          </a:p>
+          <a:p>
+            <a:pPr lvl="1">
+              <a:defRPr lang="fr-fr"/>
+            </a:pPr>
+            <a:r>
+              <a:t>for loops</a:t>
+            </a:r>
+          </a:p>
+          <a:p>
+            <a:pPr lvl="1">
+              <a:defRPr lang="fr-fr"/>
+            </a:pPr>
+            <a:r>
+              <a:t>while loops      </a:t>
+            </a:r>
+          </a:p>
+          <a:p>
+            <a:pPr>
+              <a:defRPr lang="fr-fr"/>
+            </a:pPr>
+          </a:p>
+        </p:txBody>
+      </p:sp>
+      <p:pic>
+        <p:nvPicPr>
+          <p:cNvPr id="4" name="Image 4"/>
+          <p:cNvPicPr>
+            <a:picLocks noChangeAspect="1"/>
+            <a:extLst>
+              <a:ext uri="smNativeData">
+                <pr:smNativeData xmlns:pr="smNativeData" xmlns="smNativeData" val="SMDATA_17_0rbXYhMAAAAlAAAAEQAAAC0AAAAAkAAAAEgAAACQAAAASAAAAAAAAAAAAAAAAAAAAAEAAABQAAAAAAAAAAAA4D8AAAAAAADgPwAAAAAAAOA/AAAAAAAA4D8AAAAAAADgPwAAAAAAAOA/AAAAAAAA4D8AAAAAAADgPwAAAAAAAOA/AAAAAAAA4D8CAAAAjAAAAAAAAAAAAAAAT4G9DP///wgAAAAAAAAAAAAAAAAAAAAAAAAAAAAAAAAAAAAAZAAAAAEAAABAAAAAAAAAAAAAAAAAAAAAAAAAAAAAAAAAAAAAAAAAAAAAAAAAAAAAAAAAAAAAAAAAAAAAAAAAAAAAAAAAAAAAAAAAAAAAAAAAAAAAAAAAAAAAAAAAAAAAFAAAADwAAAAAAAAAAAAAAAAAAAkUAAAAAQAAABQAAAAUAAAAFAAAAAEAAAAAAAAAZAAAAGQAAAAAAAAAZAAAAGQAAAAVAAAAYAAAAAAAAAAAAAAADwAAACADAAAAAAAAAAAAAAEAAACgMgAAVgcAAKr4//8BAAAAf39/AAEAAABkAAAAAAAAABQAAABAHwAAAAAAACYAAAAAAAAAwOD//wAAAAAmAAAAZAAAABYAAABMAAAAAAAAAAAAAAAEAAAAAAAAAAEAAADu7OEKAAAAACgAAAAoAAAAZAAAAGQAAAAAAAAAzMzMAAAAAABQAAAAUAAAAGQAAABkAAAAAAAAAAcAAAA4AAAAAAAAAAAAAAAAAAAA////AAAAAAAAAAAAAAAAAAAAAAAAAAAAAAAAAAAAAABkAAAAZAAAAAAAAAAjAAAABAAAAGQAAAAXAAAAFAAAAAAAAAAAAAAA/38AAP9/AAAAAAAACQAAAAQAAAAAAAAAHgAAAGgAAAAAAAAAAAAAAAAAAAAAAAAAAAAAABAnAAAQJwAAAAAAAAAAAAAAAAAAAAAAAAAAAAAAAAAAAAAAAAAAAAAUAAAAAAAAAMDA/wAAAAAAZAAAADIAAAAAAAAAZAAAAAAAAAB/f38ACgAAACIAAAAYAAAAAAAAAAAAAAAAAAAAAAAAAAAAAAAAAAAAJAAAACQAAAAAAAAABwAAAAAAAAAAAAAAAAAAAAAAAAAAAAAAAAAAAH9/fwAlAAAAWAAAAAAAAAAAAAAAAAAAAAAAAAAAAAAAAAAAAAAAAAAAAAAAAAAAAAAAAAAAAAAAPwAAAAAAAACghgEAAAAAAAAAAAAAAAAADAAAAAEAAAAAAAAAAAAAAAAAAAAfAAAAVAAAAE+BvQX///8BAAAAAAAAAAAAAAAAAAAAAAAAAAAAAAAAAAAAAAAAAAAAAAACf39/AO7s4QPMzMwAwMD/AH9/fwAAAAAAAAAAAAAAAAD///8AAAAAACEAAAAYAAAAFAAAAOgNAADICgAAgBsAAOQMAAAQAAAAJgAAAAgAAAD//////////w=="/>
+              </a:ext>
+            </a:extLst>
+          </p:cNvPicPr>
+          <p:nvPr/>
+        </p:nvPicPr>
+        <p:blipFill>
+          <a:blip r:embed="rId2"/>
+          <a:stretch>
+            <a:fillRect/>
+          </a:stretch>
+        </p:blipFill>
+        <p:spPr>
+          <a:xfrm>
+            <a:off x="2260600" y="1752600"/>
+            <a:ext cx="2209800" cy="342900"/>
+          </a:xfrm>
+          <a:prstGeom prst="rect">
+            <a:avLst/>
+          </a:prstGeom>
+          <a:noFill/>
+          <a:ln>
+            <a:noFill/>
+          </a:ln>
+          <a:effectLst/>
+        </p:spPr>
+      </p:pic>
+      <p:pic>
+        <p:nvPicPr>
+          <p:cNvPr id="5" name="Image 5"/>
+          <p:cNvPicPr>
+            <a:picLocks noChangeAspect="1"/>
+            <a:extLst>
+              <a:ext uri="smNativeData">
+                <pr:smNativeData xmlns:pr="smNativeData" xmlns="smNativeData" val="SMDATA_17_0rbXYhMAAAAlAAAAEQAAAC0AAAAAkAAAAEgAAACQAAAASAAAAAAAAAAAAAAAAAAAAAEAAABQAAAAAAAAAAAA4D8AAAAAAADgPwAAAAAAAOA/AAAAAAAA4D8AAAAAAADgPwAAAAAAAOA/AAAAAAAA4D8AAAAAAADgPwAAAAAAAOA/AAAAAAAA4D8CAAAAjAAAAAAAAAAAAAAAT4G9DP///wgAAAAAAAAAAAAAAAAAAAAAAAAAAAAAAAAAAAAAZAAAAAEAAABAAAAAAAAAAAAAAAAAAAAAAAAAAAAAAAAAAAAAAAAAAAAAAAAAAAAAAAAAAAAAAAAAAAAAAAAAAAAAAAAAAAAAAAAAAAAAAAAAAAAAAAAAAAAAAAAAAAAAFAAAADwAAAAAAAAAAAAAAAAAAAkUAAAAAQAAABQAAAAUAAAAFAAAAAEAAAAAAAAAZAAAAGQAAAAAAAAAZAAAAGQAAAAVAAAAYAAAAAAAAAAAAAAADwAAACADAAAAAAAAAAAAAAEAAACgMgAAVgcAAKr4//8BAAAAf39/AAEAAABkAAAAAAAAABQAAABAHwAAAAAAACYAAAAAAAAAwOD//wAAAAAmAAAAZAAAABYAAABMAAAAAAAAAAAAAAAEAAAAAAAAAAEAAADu7OEKAAAAACgAAAAoAAAAZAAAAGQAAAAAAAAAzMzMAAAAAABQAAAAUAAAAGQAAABkAAAAAAAAAAcAAAA4AAAAAAAAAAAAAAAAAAAA////AAAAAAAAAAAAAAAAAAAAAAAAAAAAAAAAAAAAAABkAAAAZAAAAAAAAAAjAAAABAAAAGQAAAAXAAAAFAAAAAAAAAAAAAAA/38AAP9/AAAAAAAACQAAAAQAAAAAAAAAHgAAAGgAAAAAAAAAAAAAAAAAAAAAAAAAAAAAABAnAAAQJwAAAAAAAAAAAAAAAAAAAAAAAAAAAAAAAAAAAAAAAAAAAAAUAAAAAAAAAMDA/wAAAAAAZAAAADIAAAAAAAAAZAAAAAAAAAB/f38ACgAAACIAAAAYAAAAAAAAAAAAAAAAAAAAAAAAAAAAAAAAAAAAJAAAACQAAAAAAAAABwAAAAAAAAAAAAAAAAAAAAAAAAAAAAAAAAAAAH9/fwAlAAAAWAAAAAAAAAAAAAAAAAAAAAAAAAAAAAAAAAAAAAAAAAAAAAAAAAAAAAAAAAAAAAAAPwAAAAAAAACghgEAAAAAAAAAAAAAAAAADAAAAAEAAAAAAAAAAAAAAAAAAAAfAAAAVAAAAE+BvQX///8BAAAAAAAAAAAAAAAAAAAAAAAAAAAAAAAAAAAAAAAAAAAAAAACf39/AO7s4QPMzMwAwMD/AH9/fwAAAAAAAAAAAAAAAAD///8AAAAAACEAAAAYAAAAFAAAADYfAAC0CgAAoisAAOQMAAAQAAAAJgAAAAgAAAD//////////w=="/>
+              </a:ext>
+            </a:extLst>
+          </p:cNvPicPr>
+          <p:nvPr/>
+        </p:nvPicPr>
+        <p:blipFill>
+          <a:blip r:embed="rId3"/>
+          <a:stretch>
+            <a:fillRect/>
+          </a:stretch>
+        </p:blipFill>
+        <p:spPr>
+          <a:xfrm>
+            <a:off x="5073650" y="1739900"/>
+            <a:ext cx="2019300" cy="355600"/>
+          </a:xfrm>
+          <a:prstGeom prst="rect">
+            <a:avLst/>
+          </a:prstGeom>
+          <a:noFill/>
+          <a:ln>
+            <a:noFill/>
+          </a:ln>
+          <a:effectLst/>
+        </p:spPr>
+      </p:pic>
+      <p:pic>
+        <p:nvPicPr>
+          <p:cNvPr id="6" name="Image 6"/>
+          <p:cNvPicPr>
+            <a:picLocks noChangeAspect="1"/>
+            <a:extLst>
+              <a:ext uri="smNativeData">
+                <pr:smNativeData xmlns:pr="smNativeData" xmlns="smNativeData" val="SMDATA_17_0rbXYhMAAAAlAAAAEQAAAC0AAAAAkAAAAEgAAACQAAAASAAAAAAAAAAAAAAAAAAAAAEAAABQAAAAAAAAAAAA4D8AAAAAAADgPwAAAAAAAOA/AAAAAAAA4D8AAAAAAADgPwAAAAAAAOA/AAAAAAAA4D8AAAAAAADgPwAAAAAAAOA/AAAAAAAA4D8CAAAAjAAAAAAAAAAAAAAAT4G9DP///wgAAAAAAAAAAAAAAAAAAAAAAAAAAAAAAAAAAAAAZAAAAAEAAABAAAAAAAAAAAAAAAAAAAAAAAAAAAAAAAAAAAAAAAAAAAAAAAAAAAAAAAAAAAAAAAAAAAAAAAAAAAAAAAAAAAAAAAAAAAAAAAAAAAAAAAAAAAAAAAAAAAAAFAAAADwAAAAAAAAAAAAAAAAAAAkUAAAAAQAAABQAAAAUAAAAFAAAAAEAAAAAAAAAZAAAAGQAAAAAAAAAZAAAAGQAAAAVAAAAYAAAAAAAAAAAAAAADwAAACADAAAAAAAAAAAAAAEAAACgMgAAVgcAAKr4//8BAAAAf39/AAEAAABkAAAAAAAAABQAAABAHwAAAAAAACYAAAAAAAAAwOD//wAAAAAmAAAAZAAAABYAAABMAAAAAAAAAAAAAAAEAAAAAAAAAAEAAADu7OEKAAAAACgAAAAoAAAAZAAAAGQAAAAAAAAAzMzMAAAAAABQAAAAUAAAAGQAAABkAAAAAAAAAAcAAAA4AAAAAAAAAAAAAAAAAAAA////AAAAAAAAAAAAAAAAAAAAAAAAAAAAAAAAAAAAAABkAAAAZAAAAAAAAAAjAAAABAAAAGQAAAAXAAAAFAAAAAAAAAAAAAAA/38AAP9/AAAAAAAACQAAAAQAAAAAAAAAHgAAAGgAAAAAAAAAAAAAAAAAAAAAAAAAAAAAABAnAAAQJwAAAAAAAAAAAAAAAAAAAAAAAAAAAAAAAAAAAAAAAAAAAAAUAAAAAAAAAMDA/wAAAAAAZAAAADIAAAAAAAAAZAAAAAAAAAB/f38ACgAAACIAAAAYAAAAAAAAAAAAAAAAAAAAAAAAAAAAAAAAAAAAJAAAACQAAAAAAAAABwAAAAAAAAAAAAAAAAAAAAAAAAAAAAAAAAAAAH9/fwAlAAAAWAAAAAAAAAAAAAAAAAAAAAAAAAAAAAAAAAAAAAAAAAAAAAAAAAAAAAAAAAAAAAAAPwAAAAAAAACghgEAAAAAAAAAAAAAAAAADAAAAAEAAAAAAAAAAAAAAAAAAAAfAAAAVAAAAE+BvQX///8BAAAAAAAAAAAAAAAAAAAAAAAAAAAAAAAAAAAAAAAAAAAAAAACf39/AO7s4QPMzMwAwMD/AH9/fwAAAAAAAAAAAAAAAAD///8AAAAAACEAAAAYAAAAFAAAAKgvAACMCgAAQDgAAJQRAAAQAAAAJgAAAAgAAAD//////////w=="/>
+              </a:ext>
+            </a:extLst>
+          </p:cNvPicPr>
+          <p:nvPr/>
+        </p:nvPicPr>
+        <p:blipFill>
+          <a:blip r:embed="rId4"/>
+          <a:stretch>
+            <a:fillRect/>
+          </a:stretch>
+        </p:blipFill>
+        <p:spPr>
+          <a:xfrm>
+            <a:off x="7747000" y="1714500"/>
+            <a:ext cx="1397000" cy="1143000"/>
+          </a:xfrm>
+          <a:prstGeom prst="rect">
+            <a:avLst/>
+          </a:prstGeom>
+          <a:noFill/>
+          <a:ln>
+            <a:noFill/>
+          </a:ln>
+          <a:effectLst/>
+        </p:spPr>
+      </p:pic>
+      <p:pic>
+        <p:nvPicPr>
+          <p:cNvPr id="7" name="Image 7"/>
+          <p:cNvPicPr>
+            <a:picLocks noChangeAspect="1"/>
+            <a:extLst>
+              <a:ext uri="smNativeData">
+                <pr:smNativeData xmlns:pr="smNativeData" xmlns="smNativeData" val="SMDATA_17_0rbXYhMAAAAlAAAAEQAAAC0AAAAAkAAAAEgAAACQAAAASAAAAAAAAAAAAAAAAAAAAAEAAABQAAAAAAAAAAAA4D8AAAAAAADgPwAAAAAAAOA/AAAAAAAA4D8AAAAAAADgPwAAAAAAAOA/AAAAAAAA4D8AAAAAAADgPwAAAAAAAOA/AAAAAAAA4D8CAAAAjAAAAAAAAAAAAAAAT4G9DP///wgAAAAAAAAAAAAAAAAAAAAAAAAAAAAAAAAAAAAAZAAAAAEAAABAAAAAAAAAAAAAAAAAAAAAAAAAAAAAAAAAAAAAAAAAAAAAAAAAAAAAAAAAAAAAAAAAAAAAAAAAAAAAAAAAAAAAAAAAAAAAAAAAAAAAAAAAAAAAAAAAAAAAFAAAADwAAAAAAAAAAAAAAAAAAAkUAAAAAQAAABQAAAAUAAAAFAAAAAEAAAAAAAAAZAAAAGQAAAAAAAAAZAAAAGQAAAAVAAAAYAAAAAAAAAAAAAAADwAAACADAAAAAAAAAAAAAAEAAACgMgAAVgcAAKr4//8BAAAAf39/AAEAAABkAAAAAAAAABQAAABAHwAAAAAAACYAAAAAAAAAwOD//wAAAAAmAAAAZAAAABYAAABMAAAAAAAAAAAAAAAEAAAAAAAAAAEAAADu7OEKAAAAACgAAAAoAAAAZAAAAGQAAAAAAAAAzMzMAAAAAABQAAAAUAAAAGQAAABkAAAAAAAAAAcAAAA4AAAAAAAAAAAAAAAAAAAA////AAAAAAAAAAAAAAAAAAAAAAAAAAAAAAAAAAAAAABkAAAAZAAAAAAAAAAjAAAABAAAAGQAAAAXAAAAFAAAAAAAAAAAAAAA/38AAP9/AAAAAAAACQAAAAQAAAAAAAAAHgAAAGgAAAAAAAAAAAAAAAAAAAAAAAAAAAAAABAnAAAQJwAAAAAAAAAAAAAAAAAAAAAAAAAAAAAAAAAAAAAAAAAAAAAUAAAAAAAAAMDA/wAAAAAAZAAAADIAAAAAAAAAZAAAAAAAAAB/f38ACgAAACIAAAAYAAAAAAAAAAAAAAAAAAAAAAAAAAAAAAAAAAAAJAAAACQAAAAAAAAABwAAAAAAAAAAAAAAAAAAAAAAAAAAAAAAAAAAAH9/fwAlAAAAWAAAAAAAAAAAAAAAAAAAAAAAAAAAAAAAAAAAAAAAAAAAAAAAAAAAAAAAAAAAAAAAPwAAAAAAAACghgEAAAAAAAAAAAAAAAAADAAAAAEAAAAAAAAAAAAAAAAAAAAfAAAAVAAAAE+BvQX///8BAAAAAAAAAAAAAAAAAAAAAAAAAAAAAAAAAAAAAAAAAAAAAAACf39/AO7s4QPMzMwAwMD/AH9/fwAAAAAAAAAAAAAAAAD///8AAAAAACEAAAAYAAAAFAAAAJIdAADQEQAA5igAACgZAAAQAAAAJgAAAAgAAAD//////////w=="/>
+              </a:ext>
+            </a:extLst>
+          </p:cNvPicPr>
+          <p:nvPr/>
+        </p:nvPicPr>
+        <p:blipFill>
+          <a:blip r:embed="rId5"/>
+          <a:stretch>
+            <a:fillRect/>
+          </a:stretch>
+        </p:blipFill>
+        <p:spPr>
+          <a:xfrm>
+            <a:off x="4806950" y="2895600"/>
+            <a:ext cx="1841500" cy="1193800"/>
+          </a:xfrm>
+          <a:prstGeom prst="rect">
+            <a:avLst/>
+          </a:prstGeom>
+          <a:noFill/>
+          <a:ln>
+            <a:noFill/>
+          </a:ln>
+          <a:effectLst/>
+        </p:spPr>
+      </p:pic>
+      <p:pic>
+        <p:nvPicPr>
+          <p:cNvPr id="8" name="Image 8"/>
+          <p:cNvPicPr>
+            <a:picLocks noChangeAspect="1"/>
+            <a:extLst>
+              <a:ext uri="smNativeData">
+                <pr:smNativeData xmlns:pr="smNativeData" xmlns="smNativeData" val="SMDATA_17_0rbXYhMAAAAlAAAAEQAAAC0AAAAAkAAAAEgAAACQAAAASAAAAAAAAAAAAAAAAAAAAAEAAABQAAAAAAAAAAAA4D8AAAAAAADgPwAAAAAAAOA/AAAAAAAA4D8AAAAAAADgPwAAAAAAAOA/AAAAAAAA4D8AAAAAAADgPwAAAAAAAOA/AAAAAAAA4D8CAAAAjAAAAAAAAAAAAAAAT4G9DP///wgAAAAAAAAAAAAAAAAAAAAAAAAAAAAAAAAAAAAAZAAAAAEAAABAAAAAAAAAAAAAAAAAAAAAAAAAAAAAAAAAAAAAAAAAAAAAAAAAAAAAAAAAAAAAAAAAAAAAAAAAAAAAAAAAAAAAAAAAAAAAAAAAAAAAAAAAAAAAAAAAAAAAFAAAADwAAAAAAAAAAAAAAAAAAAkUAAAAAQAAABQAAAAUAAAAFAAAAAEAAAAAAAAAZAAAAGQAAAAAAAAAZAAAAGQAAAAVAAAAYAAAAAAAAAAAAAAADwAAACADAAAAAAAAAAAAAAEAAACgMgAAVgcAAKr4//8BAAAAf39/AAEAAABkAAAAAAAAABQAAABAHwAAAAAAACYAAAAAAAAAwOD//wAAAAAmAAAAZAAAABYAAABMAAAAAAAAAAAAAAAEAAAAAAAAAAEAAADu7OEKAAAAACgAAAAoAAAAZAAAAGQAAAAAAAAAzMzMAAAAAABQAAAAUAAAAGQAAABkAAAAAAAAAAcAAAA4AAAAAAAAAAAAAAAAAAAA////AAAAAAAAAAAAAAAAAAAAAAAAAAAAAAAAAAAAAABkAAAAZAAAAAAAAAAjAAAABAAAAGQAAAAXAAAAFAAAAAAAAAAAAAAA/38AAP9/AAAAAAAACQAAAAQAAAAAAAAAHgAAAGgAAAAAAAAAAAAAAAAAAAAAAAAAAAAAABAnAAAQJwAAAAAAAAAAAAAAAAAAAAAAAAAAAAAAAAAAAAAAAAAAAAAUAAAAAAAAAMDA/wAAAAAAZAAAADIAAAAAAAAAZAAAAAAAAAB/f38ACgAAACIAAAAYAAAAAAAAAAAAAAAAAAAAAAAAAAAAAAAAAAAAJAAAACQAAAAAAAAABwAAAAAAAAAAAAAAAAAAAAAAAAAAAAAAAAAAAH9/fwAlAAAAWAAAAAAAAAAAAAAAAAAAAAAAAAAAAAAAAAAAAAAAAAAAAAAAAAAAAAAAAAAAAAAAPwAAAAAAAACghgEAAAAAAAAAAAAAAAAADAAAAAEAAAAAAAAAAAAAAAAAAAAfAAAAVAAAAE+BvQX///8BAAAAAAAAAAAAAAAAAAAAAAAAAAAAAAAAAAAAAAAAAAAAAAACf39/AO7s4QPMzMwAwMD/AH9/fwAAAAAAAAAAAAAAAAD///8AAAAAACEAAAAYAAAAFAAAANwZAAC0GQAAMCUAAJQbAAAQAAAAJgAAAAgAAAD//////////w=="/>
+              </a:ext>
+            </a:extLst>
+          </p:cNvPicPr>
+          <p:nvPr/>
+        </p:nvPicPr>
+        <p:blipFill>
+          <a:blip r:embed="rId6"/>
+          <a:stretch>
+            <a:fillRect/>
+          </a:stretch>
+        </p:blipFill>
+        <p:spPr>
+          <a:xfrm>
+            <a:off x="4203700" y="4178300"/>
+            <a:ext cx="1841500" cy="304800"/>
+          </a:xfrm>
+          <a:prstGeom prst="rect">
+            <a:avLst/>
+          </a:prstGeom>
+          <a:noFill/>
+          <a:ln>
+            <a:noFill/>
+          </a:ln>
+          <a:effectLst/>
+        </p:spPr>
+      </p:pic>
+      <p:pic>
+        <p:nvPicPr>
+          <p:cNvPr id="9" name="Image 9"/>
+          <p:cNvPicPr>
+            <a:picLocks noChangeAspect="1"/>
+            <a:extLst>
+              <a:ext uri="smNativeData">
+                <pr:smNativeData xmlns:pr="smNativeData" xmlns="smNativeData" val="SMDATA_17_0rbXYhMAAAAlAAAAEQAAAC0AAAAAkAAAAEgAAACQAAAASAAAAAAAAAAAAAAAAAAAAAEAAABQAAAAAAAAAAAA4D8AAAAAAADgPwAAAAAAAOA/AAAAAAAA4D8AAAAAAADgPwAAAAAAAOA/AAAAAAAA4D8AAAAAAADgPwAAAAAAAOA/AAAAAAAA4D8CAAAAjAAAAAAAAAAAAAAAT4G9DP///wgAAAAAAAAAAAAAAAAAAAAAAAAAAAAAAAAAAAAAZAAAAAEAAABAAAAAAAAAAAAAAAAAAAAAAAAAAAAAAAAAAAAAAAAAAAAAAAAAAAAAAAAAAAAAAAAAAAAAAAAAAAAAAAAAAAAAAAAAAAAAAAAAAAAAAAAAAAAAAAAAAAAAFAAAADwAAAAAAAAAAAAAAAAAAAkUAAAAAQAAABQAAAAUAAAAFAAAAAEAAAAAAAAAZAAAAGQAAAAAAAAAZAAAAGQAAAAVAAAAYAAAAAAAAAAAAAAADwAAACADAAAAAAAAAAAAAAEAAACgMgAAVgcAAKr4//8BAAAAf39/AAEAAABkAAAAAAAAABQAAABAHwAAAAAAACYAAAAAAAAAwOD//wAAAAAmAAAAZAAAABYAAABMAAAAAAAAAAAAAAAEAAAAAAAAAAEAAADu7OEKAAAAACgAAAAoAAAAZAAAAGQAAAAAAAAAzMzMAAAAAABQAAAAUAAAAGQAAABkAAAAAAAAAAcAAAA4AAAAAAAAAAAAAAAAAAAA////AAAAAAAAAAAAAAAAAAAAAAAAAAAAAAAAAAAAAABkAAAAZAAAAAAAAAAjAAAABAAAAGQAAAAXAAAAFAAAAAAAAAAAAAAA/38AAP9/AAAAAAAACQAAAAQAAAAAAAAAHgAAAGgAAAAAAAAAAAAAAAAAAAAAAAAAAAAAABAnAAAQJwAAAAAAAAAAAAAAAAAAAAAAAAAAAAAAAAAAAAAAAAAAAAAUAAAAAAAAAMDA/wAAAAAAZAAAADIAAAAAAAAAZAAAAAAAAAB/f38ACgAAACIAAAAYAAAAAAAAAAAAAAAAAAAAAAAAAAAAAAAAAAAAJAAAACQAAAAAAAAABwAAAAAAAAAAAAAAAAAAAAAAAAAAAAAAAAAAAH9/fwAlAAAAWAAAAAAAAAAAAAAAAAAAAAAAAAAAAAAAAAAAAAAAAAAAAAAAAAAAAAAAAAAAAAAAPwAAAAAAAACghgEAAAAAAAAAAAAAAAAADAAAAAEAAAAAAAAAAAAAAAAAAAAfAAAAVAAAAE+BvQX///8BAAAAAAAAAAAAAAAAAAAAAAAAAAAAAAAAAAAAAAAAAAAAAAACf39/AO7s4QPMzMwAwMD/AH9/fwAAAAAAAAAAAAAAAAD///8AAAAAACEAAAAYAAAAFAAAADAlAAAoHgAALDgAADAqAAAQAAAAJgAAAAgAAAD//////////w=="/>
+              </a:ext>
+            </a:extLst>
+          </p:cNvPicPr>
+          <p:nvPr/>
+        </p:nvPicPr>
+        <p:blipFill>
+          <a:blip r:embed="rId7"/>
+          <a:stretch>
+            <a:fillRect/>
+          </a:stretch>
+        </p:blipFill>
+        <p:spPr>
+          <a:xfrm>
+            <a:off x="6045200" y="4902200"/>
+            <a:ext cx="3086100" cy="1955800"/>
+          </a:xfrm>
+          <a:prstGeom prst="rect">
+            <a:avLst/>
+          </a:prstGeom>
+          <a:noFill/>
+          <a:ln>
+            <a:noFill/>
+          </a:ln>
+          <a:effectLst/>
+        </p:spPr>
+      </p:pic>
+    </p:spTree>
+  </p:cSld>
+  <p:clrMapOvr>
+    <a:masterClrMapping/>
+  </p:clrMapOvr>
+  <p:timing>
+    <p:tnLst>
+      <p:par>
+        <p:cTn id="1" dur="indefinite" restart="never" nodeType="tmRoot"/>
+      </p:par>
+    </p:tnLst>
+  </p:timing>
+</p:sld>
+</file>
+
+<file path=ppt/slides/slide25.xml><?xml version="1.0" encoding="utf-8"?>
+<p:sld xmlns:p="http://schemas.openxmlformats.org/presentationml/2006/main" xmlns:mc="http://schemas.openxmlformats.org/markup-compatibility/2006" xmlns:p14="http://schemas.microsoft.com/office/powerpoint/2010/main" xmlns:p15="http://schemas.microsoft.com/office/powerpoint/2012/main" xmlns:r="http://schemas.openxmlformats.org/officeDocument/2006/relationships" xmlns:a="http://schemas.openxmlformats.org/drawingml/2006/main" mc:Ignorable="p14" show="0">
+  <p:cSld>
+    <p:spTree>
+      <p:nvGrpSpPr>
+        <p:cNvPr id="1" name=""/>
+        <p:cNvGrpSpPr/>
+        <p:nvPr/>
+      </p:nvGrpSpPr>
+      <p:grpSpPr>
+        <a:xfrm>
+          <a:off x="0" y="0"/>
+          <a:ext cx="0" cy="0"/>
+          <a:chOff x="0" y="0"/>
+          <a:chExt cx="0" cy="0"/>
+        </a:xfrm>
+      </p:grpSpPr>
+      <p:sp>
+        <p:nvSpPr>
+          <p:cNvPr id="2" name="Titre 1"/>
+          <p:cNvSpPr>
+            <a:spLocks noGrp="1" noChangeArrowheads="1"/>
+            <a:extLst>
+              <a:ext uri="smNativeData">
+                <pr:smNativeData xmlns:pr="smNativeData" xmlns="smNativeData" val="SMDATA_15_0rbXYhMAAAAlAAAAZAAAAA0AAAAAkAAAAEgAAACQAAAASAAAAAAAAAABAAAAAAAAAAEAAABQAAAAAAAAAAAA4D8AAAAAAADgPwAAAAAAAOA/AAAAAAAA4D8AAAAAAADgPwAAAAAAAOA/AAAAAAAA4D8AAAAAAADgPwAAAAAAAOA/AAAAAAAA4D8CAAAAjAAAAAAAAAAAAAAAT4G9DP///wgAAAAAAAAAAAAAAAAAAAAAAAAAAAAAAAAAAAAAZAAAAAEAAABAAAAAAAAAAAAAAAAAAAAAAAAAAAAAAAAAAAAAAAAAAAAAAAAAAAAAAAAAAAAAAAAAAAAAAAAAAAAAAAAAAAAAAAAAAAAAAAAAAAAAAAAAAAAAAAAAAAAAFAAAADwAAAAAAAAAAAAAAAAAAAkUAAAAAQAAABQAAAAUAAAAFAAAAAEAAAAAAAAAZAAAAGQAAAAAAAAAZAAAAGQAAAAVAAAAYAAAAAAAAAAAAAAADwAAACADAAAAAAAAAAAAAAEAAACgMgAAVgcAAKr4//8BAAAAf39/AAEAAABkAAAAAAAAABQAAABAHwAAAAAAACYAAAAAAAAAwOD//wAAAAAmAAAAZAAAABYAAABMAAAAAAAAAAAAAAAEAAAAAAAAAAEAAADu7OEKAAAAACgAAAAoAAAAZAAAAGQAAAAAAAAAzMzMAAAAAABQAAAAUAAAAGQAAABkAAAAAAAAABcAAAAUAAAAAAAAAAAAAAD/fwAA/38AAAAAAAAJAAAABAAAAAAAAAAeAAAAaAAAAAAAAAAAAAAAAAAAAAAAAAAAAAAAECcAABAnAAAAAAAAAAAAAAAAAAAAAAAAAAAAAAAAAAAAAAAAAAAAABQAAAAAAAAAwMD/AAAAAABkAAAAMgAAAAAAAABkAAAAAAAAAH9/fwAKAAAAIgAAABgAAAAAAAAAAAAAAAAAAAAAAAAAAAAAAAAAAAAkAAAAJAAAAAAAAAAHAAAAAAAAAAAAAAAAAAAAAAAAAAAAAAAAAAAAf39/ACUAAABYAAAAAAAAAAAAAAAAAAAAAAAAAAAAAAAAAAAAAAAAAAAAAAAAAAAAAAAAAAAAAAA/AAAAAAAAAKCGAQAAAAAAAAAAAAAAAAAMAAAAAQAAAAAAAAAAAAAAAAAAAB8AAABUAAAAT4G9Bf///wEAAAAAAAAAAAAAAAAAAAAAAAAAAAAAAAAAAAAAAAAAAAAAAAJ/f38A7uzhA8zMzADAwP8Af39/AAAAAAAAAAAAAAAAAAAAAAAAAAAAIQAAABgAAAAUAAAA0AIAALEBAABwNQAAuQgAABAAAAAmAAAACAAAAAAAAAAAAAAA"/>
               </a:ext>
             </a:extLst>
           </p:cNvSpPr>
@@ -7648,7 +7807,7 @@
             <a:spLocks noGrp="1" noChangeArrowheads="1"/>
             <a:extLst>
               <a:ext uri="smNativeData">
-                <pr:smNativeData xmlns:pr="smNativeData" xmlns="smNativeData" val="SMDATA_15_iunWYhMAAAAlAAAAZAAAAA0AAAAAkAAAAEgAAACQAAAASAAAAAAAAAAAAAAAAAAAAAEAAABQAAAAAAAAAAAA4D8AAAAAAADgPwAAAAAAAOA/AAAAAAAA4D8AAAAAAADgPwAAAAAAAOA/AAAAAAAA4D8AAAAAAADgPwAAAAAAAOA/AAAAAAAA4D8CAAAAjAAAAAAAAAAAAAAAT4G9DP///wgAAAAAAAAAAAAAAAAAAAAAAAAAAAAAAAAAAAAAZAAAAAEAAABAAAAAAAAAAAAAAAAAAAAAAAAAAAAAAAAAAAAAAAAAAAAAAAAAAAAAAAAAAAAAAAAAAAAAAAAAAAAAAAAAAAAAAAAAAAAAAAAAAAAAAAAAAAAAAAAAAAAAFAAAADwAAAAAAAAAAAAAAAAAAAkUAAAAAQAAABQAAAAUAAAAFAAAAAEAAAAAAAAAZAAAAGQAAAAAAAAAZAAAAGQAAAAVAAAAYAAAAAAAAAAAAAAADwAAACADAAAAAAAAAAAAAAEAAACgMgAAVgcAAKr4//8BAAAAf39/AAEAAABkAAAAAAAAABQAAABAHwAAAAAAACYAAAAAAAAAwOD//wAAAAAmAAAAZAAAABYAAABMAAAAAAAAAAAAAAAEAAAAAAAAAAEAAADu7OEKAAAAACgAAAAoAAAAZAAAAGQAAAAAAAAAzMzMAAAAAABQAAAAUAAAAGQAAABkAAAAAAAAABcAAAAUAAAAAAAAAAAAAAD/fwAA/38AAAAAAAAJAAAABAAAAAAAAAAeAAAAaAAAAAAAAAAAAAAAAAAAAAAAAAAAAAAAECcAABAnAAAAAAAAAAAAAAAAAAAAAAAAAAAAAAAAAAAAAAAAAAAAABQAAAAAAAAAwMD/AAAAAABkAAAAMgAAAAAAAABkAAAAAAAAAH9/fwAKAAAAIgAAABgAAAAAAAAAAAAAAAAAAAAAAAAAAAAAAAAAAAAkAAAAJAAAAAAAAAAHAAAAAAAAAAAAAAAAAAAAAAAAAAAAAAAAAAAAf39/ACUAAABYAAAAAAAAAAAAAAAAAAAAAAAAAAAAAAAAAAAAAAAAAAAAAAAAAAAAAAAAAAAAAAA/AAAAAAAAAKCGAQAAAAAAAAAAAAAAAAAMAAAAAQAAAAAAAAAAAAAAAAAAAB8AAABUAAAAT4G9Bf///wEAAAAAAAAAAAAAAAAAAAAAAAAAAAAAAAAAAAAAAAAAAAAAAAJ/f38A7uzhA8zMzADAwP8Af39/AAAAAAAAAAAAAAAAAAAAAAAAAAAAIQAAABgAAAAUAAAA0AIAAKgHAABwNQAAMCoAABAAAAAmAAAACAAAAAEAAAAAAAAA"/>
+                <pr:smNativeData xmlns:pr="smNativeData" xmlns="smNativeData" val="SMDATA_15_0rbXYhMAAAAlAAAAZAAAAA0AAAAAkAAAAEgAAACQAAAASAAAAAAAAAAAAAAAAAAAAAEAAABQAAAAAAAAAAAA4D8AAAAAAADgPwAAAAAAAOA/AAAAAAAA4D8AAAAAAADgPwAAAAAAAOA/AAAAAAAA4D8AAAAAAADgPwAAAAAAAOA/AAAAAAAA4D8CAAAAjAAAAAAAAAAAAAAAT4G9DP///wgAAAAAAAAAAAAAAAAAAAAAAAAAAAAAAAAAAAAAZAAAAAEAAABAAAAAAAAAAAAAAAAAAAAAAAAAAAAAAAAAAAAAAAAAAAAAAAAAAAAAAAAAAAAAAAAAAAAAAAAAAAAAAAAAAAAAAAAAAAAAAAAAAAAAAAAAAAAAAAAAAAAAFAAAADwAAAAAAAAAAAAAAAAAAAkUAAAAAQAAABQAAAAUAAAAFAAAAAEAAAAAAAAAZAAAAGQAAAAAAAAAZAAAAGQAAAAVAAAAYAAAAAAAAAAAAAAADwAAACADAAAAAAAAAAAAAAEAAACgMgAAVgcAAKr4//8BAAAAf39/AAEAAABkAAAAAAAAABQAAABAHwAAAAAAACYAAAAAAAAAwOD//wAAAAAmAAAAZAAAABYAAABMAAAAAAAAAAAAAAAEAAAAAAAAAAEAAADu7OEKAAAAACgAAAAoAAAAZAAAAGQAAAAAAAAAzMzMAAAAAABQAAAAUAAAAGQAAABkAAAAAAAAABcAAAAUAAAAAAAAAAAAAAD/fwAA/38AAAAAAAAJAAAABAAAAAAAAAAeAAAAaAAAAAAAAAAAAAAAAAAAAAAAAAAAAAAAECcAABAnAAAAAAAAAAAAAAAAAAAAAAAAAAAAAAAAAAAAAAAAAAAAABQAAAAAAAAAwMD/AAAAAABkAAAAMgAAAAAAAABkAAAAAAAAAH9/fwAKAAAAIgAAABgAAAAAAAAAAAAAAAAAAAAAAAAAAAAAAAAAAAAkAAAAJAAAAAAAAAAHAAAAAAAAAAAAAAAAAAAAAAAAAAAAAAAAAAAAf39/ACUAAABYAAAAAAAAAAAAAAAAAAAAAAAAAAAAAAAAAAAAAAAAAAAAAAAAAAAAAAAAAAAAAAA/AAAAAAAAAKCGAQAAAAAAAAAAAAAAAAAMAAAAAQAAAAAAAAAAAAAAAAAAAB8AAABUAAAAT4G9Bf///wEAAAAAAAAAAAAAAAAAAAAAAAAAAAAAAAAAAAAAAAAAAAAAAAJ/f38A7uzhA8zMzADAwP8Af39/AAAAAAAAAAAAAAAAAAAAAAAAAAAAIQAAABgAAAAUAAAA0AIAAKgHAABwNQAAMCoAABAAAAAmAAAACAAAAAEAAAAAAAAA"/>
               </a:ext>
             </a:extLst>
           </p:cNvSpPr>
@@ -7700,7 +7859,7 @@
             <a:picLocks noChangeAspect="1"/>
             <a:extLst>
               <a:ext uri="smNativeData">
-                <pr:smNativeData xmlns:pr="smNativeData" xmlns="smNativeData" val="SMDATA_17_iunWYhMAAAAlAAAAEQAAAC0AAAAAkAAAAEgAAACQAAAASAAAAAAAAAAAAAAAAAAAAAEAAABQAAAAAAAAAAAA4D8AAAAAAADgPwAAAAAAAOA/AAAAAAAA4D8AAAAAAADgPwAAAAAAAOA/AAAAAAAA4D8AAAAAAADgPwAAAAAAAOA/AAAAAAAA4D8CAAAAjAAAAAAAAAAAAAAAT4G9DP///wgAAAAAAAAAAAAAAAAAAAAAAAAAAAAAAAAAAAAAZAAAAAEAAABAAAAAAAAAAAAAAAAAAAAAAAAAAAAAAAAAAAAAAAAAAAAAAAAAAAAAAAAAAAAAAAAAAAAAAAAAAAAAAAAAAAAAAAAAAAAAAAAAAAAAAAAAAAAAAAAAAAAAFAAAADwAAAAAAAAAAAAAAAAAAAkUAAAAAQAAABQAAAAUAAAAFAAAAAEAAAAAAAAAZAAAAGQAAAAAAAAAZAAAAGQAAAAVAAAAYAAAAAAAAAAAAAAADwAAACADAAAAAAAAAAAAAAEAAACgMgAAVgcAAKr4//8BAAAAf39/AAEAAABkAAAAAAAAABQAAABAHwAAAAAAACYAAAAAAAAAwOD//wAAAAAmAAAAZAAAABYAAABMAAAAAAAAAAAAAAAEAAAAAAAAAAEAAADu7OEKAAAAACgAAAAoAAAAZAAAAGQAAAAAAAAAzMzMAAAAAABQAAAAUAAAAGQAAABkAAAAAAAAAAcAAAA4AAAAAAAAAAAAAAAAAAAA////AAAAAAAAAAAAAAAAAAAAAAAAAAAAAAAAAAAAAABkAAAAZAAAAAAAAAAjAAAABAAAAGQAAAAXAAAAFAAAAAAAAAAAAAAA/38AAP9/AAAAAAAACQAAAAQAAAAAAAAAHgAAAGgAAAAAAAAAAAAAAAAAAAAAAAAAAAAAABAnAAAQJwAAAAAAAAAAAAAAAAAAAAAAAAAAAAAAAAAAAAAAAAAAAAAUAAAAAAAAAMDA/wAAAAAAZAAAADIAAAAAAAAAZAAAAAAAAAB/f38ACgAAACIAAAAYAAAAAAAAAAAAAAAAAAAAAAAAAAAAAAAAAAAAJAAAACQAAAAAAAAABwAAAAAAAAAAAAAAAAAAAAAAAAAAAAAAAAAAAH9/fwAlAAAAWAAAAAAAAAAAAAAAAAAAAAAAAAAAAAAAAAAAAAAAAAAAAAAAAAAAAAAAAAAAAAAAPwAAAAAAAACghgEAAAAAAAAAAAAAAAAADAAAAAEAAAAAAAAAAAAAAAAAAAAfAAAAVAAAAE+BvQX///8BAAAAAAAAAAAAAAAAAAAAAAAAAAAAAAAAAAAAAAAAAAAAAAACf39/AO7s4QPMzMwAwMD/AH9/fwAAAAAAAAAAAAAAAAD///8AAAAAACEAAAAYAAAAFAAAAIgJAABoCwAAADcAANQNAAAQAAAAJgAAAAgAAAD//////////w=="/>
+                <pr:smNativeData xmlns:pr="smNativeData" xmlns="smNativeData" val="SMDATA_17_0rbXYhMAAAAlAAAAEQAAAC0AAAAAkAAAAEgAAACQAAAASAAAAAAAAAAAAAAAAAAAAAEAAABQAAAAAAAAAAAA4D8AAAAAAADgPwAAAAAAAOA/AAAAAAAA4D8AAAAAAADgPwAAAAAAAOA/AAAAAAAA4D8AAAAAAADgPwAAAAAAAOA/AAAAAAAA4D8CAAAAjAAAAAAAAAAAAAAAT4G9DP///wgAAAAAAAAAAAAAAAAAAAAAAAAAAAAAAAAAAAAAZAAAAAEAAABAAAAAAAAAAAAAAAAAAAAAAAAAAAAAAAAAAAAAAAAAAAAAAAAAAAAAAAAAAAAAAAAAAAAAAAAAAAAAAAAAAAAAAAAAAAAAAAAAAAAAAAAAAAAAAAAAAAAAFAAAADwAAAAAAAAAAAAAAAAAAAkUAAAAAQAAABQAAAAUAAAAFAAAAAEAAAAAAAAAZAAAAGQAAAAAAAAAZAAAAGQAAAAVAAAAYAAAAAAAAAAAAAAADwAAACADAAAAAAAAAAAAAAEAAACgMgAAVgcAAKr4//8BAAAAf39/AAEAAABkAAAAAAAAABQAAABAHwAAAAAAACYAAAAAAAAAwOD//wAAAAAmAAAAZAAAABYAAABMAAAAAAAAAAAAAAAEAAAAAAAAAAEAAADu7OEKAAAAACgAAAAoAAAAZAAAAGQAAAAAAAAAzMzMAAAAAABQAAAAUAAAAGQAAABkAAAAAAAAAAcAAAA4AAAAAAAAAAAAAAAAAAAA////AAAAAAAAAAAAAAAAAAAAAAAAAAAAAAAAAAAAAABkAAAAZAAAAAAAAAAjAAAABAAAAGQAAAAXAAAAFAAAAAAAAAAAAAAA/38AAP9/AAAAAAAACQAAAAQAAAAAAAAAHgAAAGgAAAAAAAAAAAAAAAAAAAAAAAAAAAAAABAnAAAQJwAAAAAAAAAAAAAAAAAAAAAAAAAAAAAAAAAAAAAAAAAAAAAUAAAAAAAAAMDA/wAAAAAAZAAAADIAAAAAAAAAZAAAAAAAAAB/f38ACgAAACIAAAAYAAAAAAAAAAAAAAAAAAAAAAAAAAAAAAAAAAAAJAAAACQAAAAAAAAABwAAAAAAAAAAAAAAAAAAAAAAAAAAAAAAAAAAAH9/fwAlAAAAWAAAAAAAAAAAAAAAAAAAAAAAAAAAAAAAAAAAAAAAAAAAAAAAAAAAAAAAAAAAAAAAPwAAAAAAAACghgEAAAAAAAAAAAAAAAAADAAAAAEAAAAAAAAAAAAAAAAAAAAfAAAAVAAAAE+BvQX///8BAAAAAAAAAAAAAAAAAAAAAAAAAAAAAAAAAAAAAAAAAAAAAAACf39/AO7s4QPMzMwAwMD/AH9/fwAAAAAAAAAAAAAAAAD///8AAAAAACEAAAAYAAAAFAAAAIgJAABoCwAAADcAANQNAAAQAAAAJgAAAAgAAAD//////////w=="/>
               </a:ext>
             </a:extLst>
           </p:cNvPicPr>
@@ -7734,7 +7893,7 @@
             <a:picLocks noChangeAspect="1"/>
             <a:extLst>
               <a:ext uri="smNativeData">
-                <pr:smNativeData xmlns:pr="smNativeData" xmlns="smNativeData" val="SMDATA_17_iunWYhMAAAAlAAAAEQAAAC0AAAAAkAAAAEgAAACQAAAASAAAAAAAAAAAAAAAAAAAAAEAAABQAAAAAAAAAAAA4D8AAAAAAADgPwAAAAAAAOA/AAAAAAAA4D8AAAAAAADgPwAAAAAAAOA/AAAAAAAA4D8AAAAAAADgPwAAAAAAAOA/AAAAAAAA4D8CAAAAjAAAAAAAAAAAAAAAT4G9DP///wgAAAAAAAAAAAAAAAAAAAAAAAAAAAAAAAAAAAAAZAAAAAEAAABAAAAAAAAAAAAAAAAAAAAAAAAAAAAAAAAAAAAAAAAAAAAAAAAAAAAAAAAAAAAAAAAAAAAAAAAAAAAAAAAAAAAAAAAAAAAAAAAAAAAAAAAAAAAAAAAAAAAAFAAAADwAAAAAAAAAAAAAAAAAAAkUAAAAAQAAABQAAAAUAAAAFAAAAAEAAAAAAAAAZAAAAGQAAAAAAAAAZAAAAGQAAAAVAAAAYAAAAAAAAAAAAAAADwAAACADAAAAAAAAAAAAAAEAAACgMgAAVgcAAKr4//8BAAAAf39/AAEAAABkAAAAAAAAABQAAABAHwAAAAAAACYAAAAAAAAAwOD//wAAAAAmAAAAZAAAABYAAABMAAAAAAAAAAAAAAAEAAAAAAAAAAEAAADu7OEKAAAAACgAAAAoAAAAZAAAAGQAAAAAAAAAzMzMAAAAAABQAAAAUAAAAGQAAABkAAAAAAAAAAcAAAA4AAAAAAAAAAAAAAAAAAAA////AAAAAAAAAAAAAAAAAAAAAAAAAAAAAAAAAAAAAABkAAAAZAAAAAAAAAAjAAAABAAAAGQAAAAXAAAAFAAAAAAAAAAAAAAA/38AAP9/AAAAAAAACQAAAAQAAAAAAAAAHgAAAGgAAAAAAAAAAAAAAAAAAAAAAAAAAAAAABAnAAAQJwAAAAAAAAAAAAAAAAAAAAAAAAAAAAAAAAAAAAAAAAAAAAAUAAAAAAAAAMDA/wAAAAAAZAAAADIAAAAAAAAAZAAAAAAAAAB/f38ACgAAACIAAAAYAAAAAAAAAAAAAAAAAAAAAAAAAAAAAAAAAAAAJAAAACQAAAAAAAAABwAAAAAAAAAAAAAAAAAAAAAAAAAAAAAAAAAAAH9/fwAlAAAAWAAAAAAAAAAAAAAAAAAAAAAAAAAAAAAAAAAAAAAAAAAAAAAAAAAAAAAAAAAAAAAAPwAAAAAAAACghgEAAAAAAAAAAAAAAAAADAAAAAEAAAAAAAAAAAAAAAAAAAAfAAAAVAAAAE+BvQX///8BAAAAAAAAAAAAAAAAAAAAAAAAAAAAAAAAAAAAAAAAAAAAAAACf39/AO7s4QPMzMwAwMD/AH9/fwAAAAAAAAAAAAAAAAD///8AAAAAACEAAAAYAAAAFAAAAIgJAAB0EwAA6CsAAAQpAAAQAAAAJgAAAAgAAAD//////////w=="/>
+                <pr:smNativeData xmlns:pr="smNativeData" xmlns="smNativeData" val="SMDATA_17_0rbXYhMAAAAlAAAAEQAAAC0AAAAAkAAAAEgAAACQAAAASAAAAAAAAAAAAAAAAAAAAAEAAABQAAAAAAAAAAAA4D8AAAAAAADgPwAAAAAAAOA/AAAAAAAA4D8AAAAAAADgPwAAAAAAAOA/AAAAAAAA4D8AAAAAAADgPwAAAAAAAOA/AAAAAAAA4D8CAAAAjAAAAAAAAAAAAAAAT4G9DP///wgAAAAAAAAAAAAAAAAAAAAAAAAAAAAAAAAAAAAAZAAAAAEAAABAAAAAAAAAAAAAAAAAAAAAAAAAAAAAAAAAAAAAAAAAAAAAAAAAAAAAAAAAAAAAAAAAAAAAAAAAAAAAAAAAAAAAAAAAAAAAAAAAAAAAAAAAAAAAAAAAAAAAFAAAADwAAAAAAAAAAAAAAAAAAAkUAAAAAQAAABQAAAAUAAAAFAAAAAEAAAAAAAAAZAAAAGQAAAAAAAAAZAAAAGQAAAAVAAAAYAAAAAAAAAAAAAAADwAAACADAAAAAAAAAAAAAAEAAACgMgAAVgcAAKr4//8BAAAAf39/AAEAAABkAAAAAAAAABQAAABAHwAAAAAAACYAAAAAAAAAwOD//wAAAAAmAAAAZAAAABYAAABMAAAAAAAAAAAAAAAEAAAAAAAAAAEAAADu7OEKAAAAACgAAAAoAAAAZAAAAGQAAAAAAAAAzMzMAAAAAABQAAAAUAAAAGQAAABkAAAAAAAAAAcAAAA4AAAAAAAAAAAAAAAAAAAA////AAAAAAAAAAAAAAAAAAAAAAAAAAAAAAAAAAAAAABkAAAAZAAAAAAAAAAjAAAABAAAAGQAAAAXAAAAFAAAAAAAAAAAAAAA/38AAP9/AAAAAAAACQAAAAQAAAAAAAAAHgAAAGgAAAAAAAAAAAAAAAAAAAAAAAAAAAAAABAnAAAQJwAAAAAAAAAAAAAAAAAAAAAAAAAAAAAAAAAAAAAAAAAAAAAUAAAAAAAAAMDA/wAAAAAAZAAAADIAAAAAAAAAZAAAAAAAAAB/f38ACgAAACIAAAAYAAAAAAAAAAAAAAAAAAAAAAAAAAAAAAAAAAAAJAAAACQAAAAAAAAABwAAAAAAAAAAAAAAAAAAAAAAAAAAAAAAAAAAAH9/fwAlAAAAWAAAAAAAAAAAAAAAAAAAAAAAAAAAAAAAAAAAAAAAAAAAAAAAAAAAAAAAAAAAAAAAPwAAAAAAAACghgEAAAAAAAAAAAAAAAAADAAAAAEAAAAAAAAAAAAAAAAAAAAfAAAAVAAAAE+BvQX///8BAAAAAAAAAAAAAAAAAAAAAAAAAAAAAAAAAAAAAAAAAAAAAAACf39/AO7s4QPMzMwAwMD/AH9/fwAAAAAAAAAAAAAAAAD///8AAAAAACEAAAAYAAAAFAAAAIgJAAB0EwAA6CsAAAQpAAAQAAAAJgAAAAgAAAD//////////w=="/>
               </a:ext>
             </a:extLst>
           </p:cNvPicPr>
@@ -7776,118 +7935,6 @@
 </p:sld>
 </file>
 
-<file path=ppt/slides/slide25.xml><?xml version="1.0" encoding="utf-8"?>
-<p:sld xmlns:p="http://schemas.openxmlformats.org/presentationml/2006/main" xmlns:mc="http://schemas.openxmlformats.org/markup-compatibility/2006" xmlns:p14="http://schemas.microsoft.com/office/powerpoint/2010/main" xmlns:p15="http://schemas.microsoft.com/office/powerpoint/2012/main" xmlns:r="http://schemas.openxmlformats.org/officeDocument/2006/relationships" xmlns:a="http://schemas.openxmlformats.org/drawingml/2006/main" mc:Ignorable="p14">
-  <p:cSld>
-    <p:spTree>
-      <p:nvGrpSpPr>
-        <p:cNvPr id="1" name=""/>
-        <p:cNvGrpSpPr/>
-        <p:nvPr/>
-      </p:nvGrpSpPr>
-      <p:grpSpPr>
-        <a:xfrm>
-          <a:off x="0" y="0"/>
-          <a:ext cx="0" cy="0"/>
-          <a:chOff x="0" y="0"/>
-          <a:chExt cx="0" cy="0"/>
-        </a:xfrm>
-      </p:grpSpPr>
-      <p:sp>
-        <p:nvSpPr>
-          <p:cNvPr id="2" name="TitreDiapositive1"/>
-          <p:cNvSpPr>
-            <a:spLocks noGrp="1" noChangeArrowheads="1"/>
-            <a:extLst>
-              <a:ext uri="smNativeData">
-                <pr:smNativeData xmlns:pr="smNativeData" xmlns="smNativeData" val="SMDATA_15_iunWYhMAAAAlAAAAZAAAAA0AAAAAkAAAAEgAAACQAAAASAAAAAAAAAABAAAAAAAAAAEAAABQAAAAAAAAAAAA4D8AAAAAAADgPwAAAAAAAOA/AAAAAAAA4D8AAAAAAADgPwAAAAAAAOA/AAAAAAAA4D8AAAAAAADgPwAAAAAAAOA/AAAAAAAA4D8CAAAAjAAAAAAAAAAAAAAAT4G9DP///wgAAAAAAAAAAAAAAAAAAAAAAAAAAAAAAAAAAAAAZAAAAAEAAABAAAAAAAAAAAAAAAAAAAAAAAAAAAAAAAAAAAAAAAAAAAAAAAAAAAAAAAAAAAAAAAAAAAAAAAAAAAAAAAAAAAAAAAAAAAAAAAAAAAAAAAAAAAAAAAAAAAAAFAAAADwAAAAAAAAAAAAAAAAAAAkUAAAAAQAAABQAAAAUAAAAFAAAAAEAAAAAAAAAZAAAAGQAAAAAAAAAZAAAAGQAAAAVAAAAYAAAAAAAAAAAAAAADwAAACADAAAAAAAAAAAAAAEAAACgMgAAVgcAAKr4//8BAAAAf39/AAEAAABkAAAAAAAAABQAAABAHwAAAAAAACYAAAAAAAAAwOD//wAAAAAmAAAAZAAAABYAAABMAAAAAAAAAAAAAAAEAAAAAAAAAAEAAADu7OEKAAAAACgAAAAoAAAAZAAAAGQAAAAAAAAAzMzMAAAAAABQAAAAUAAAAGQAAABkAAAAAAAAABcAAAAUAAAAAAAAAAAAAAD/fwAA/38AAAAAAAAJAAAABAAAAFYAAAAeAAAAaAAAAAAAAAAAAAAAAAAAAAAAAAAAAAAAECcAABAnAAAAAAAAAAAAAAAAAAAAAAAAAAAAAAAAAAAAAAAAAAAAABQAAAAAAAAAwMD/AAAAAABkAAAAMgAAAAAAAABkAAAAAAAAAH9/fwAKAAAAIgAAABgAAAAAAAAAAAAAAAAAAAAAAAAAAAAAAAAAAAAkAAAAJAAAAAAAAAAHAAAAAAAAAAAAAAAAAAAAAAAAAAAAAAAAAAAAf39/ACUAAABYAAAAAAAAAAAAAAAAAAAAAAAAAAAAAAAAAAAAAAAAAAAAAAAAAAAAAAAAAAAAAAA/AAAAAAAAAKCGAQAAAAAAAAAAAAAAAAAMAAAAAQAAAAAAAAAAAAAAAAAAAB8AAABUAAAAT4G9Bf///wEAAAAAAAAAAAAAAAAAAAAAAAAAAAAAAAAAAAAAAAAAAAAAAAJ/f38A7uzhA8zMzADAwP8Af39/AAAAAAAAAAAAAAAAAAAAAAAAAAAAIQAAABgAAAAUAAAA0AIAALcAAABwNQAA1gMAAAAAAAAmAAAACAAAAAEAAAAAAAAA"/>
-              </a:ext>
-            </a:extLst>
-          </p:cNvSpPr>
-          <p:nvPr>
-            <p:ph type="title"/>
-          </p:nvPr>
-        </p:nvSpPr>
-        <p:spPr>
-          <a:xfrm>
-            <a:off x="457200" y="116205"/>
-            <a:ext cx="8229600" cy="507365"/>
-          </a:xfrm>
-        </p:spPr>
-        <p:txBody>
-          <a:bodyPr/>
-          <a:lstStyle/>
-          <a:p>
-            <a:pPr>
-              <a:defRPr lang="fr-fr" sz="3600" cap="none"/>
-            </a:pPr>
-            <a:r>
-              <a:t>Anatomy of a phylogenetic MCMC analysis</a:t>
-            </a:r>
-          </a:p>
-        </p:txBody>
-      </p:sp>
-      <p:sp>
-        <p:nvSpPr>
-          <p:cNvPr id="3" name="CadreTexte1"/>
-          <p:cNvSpPr txBox="1">
-            <a:extLst>
-              <a:ext uri="smNativeData">
-                <pr:smNativeData xmlns:pr="smNativeData" xmlns="smNativeData" val="SMDATA_15_iunWYhMAAAAlAAAAEgAAAE8BAAAAkAAAAEgAAACQAAAASAAAAAAAAAAAAAAAAAAAAAEAAABQAAAAAAAAAAAA4D8AAAAAAADgPwAAAAAAAOA/AAAAAAAA4D8AAAAAAADgPwAAAAAAAOA/AAAAAAAA4D8AAAAAAADgPwAAAAAAAOA/AAAAAAAA4D8CAAAAjAAAAAAAAAAAAAAAT4G9DP///wgAAAAAAAAAAAAAAAAAAAAAAAAAAAAAAAAAAAAAZAAAAAEAAABAAAAAAAAAAAAAAAAAAAAAAAAAAAAAAAAAAAAAAAAAAAAAAAAAAAAAAAAAAAAAAAAAAAAAAAAAAAAAAAAAAAAAAAAAAAAAAAAAAAAAAAAAAAAAAAAAAAAAFAAAADwAAAAAAAAAAAAAAAAAAAkUAAAAAQAAABQAAAAUAAAAFAAAAAEAAAAAAAAAZAAAAGQAAAAAAAAAZAAAAGQAAAAVAAAAYAAAAAAAAAAAAAAADwAAACADAAAAAAAAAAAAAAEAAACgMgAAVgcAAKr4//8BAAAAf39/AAEAAABkAAAAAAAAABQAAABAHwAAAAAAACYAAAAAAAAAwOD//wAAAAAmAAAAZAAAABYAAABMAAAAAAAAAAAAAAAEAAAAAAAAAAEAAADu7OEKAAAAACgAAAAoAAAAZAAAAGQAAAAAAAAAzMzMAAAAAABQAAAAUAAAAGQAAABkAAAAAAAAABcAAAAUAAAAAAAAABkMAAD/fwAA/38AAAAAAAAJAAAABAAAAAAAAAAeAAAAaAAAAAAAAAAAAAAAAAAAAAAAAAAAAAAAECcAABAnAAAAAAAAAAAAAAAAAAAAAAAAAAAAAAAAAAAAAAAAAAAAABQAAAAAAAAAwMD/AAAAAABkAAAAMgAAAAAAAABkAAAAAAAAAH9/fwAKAAAAIgAAABgAAAAAAAAAAAAAAAAAAAAAAAAAAAAAAAAAAAAkAAAAJAAAAAAAAAAHAAAAAAAAAAAAAAAAAAAAAAAAAAAAAAAAAAAAf39/ACUAAABYAAAAAAAAAAAAAAAAAAAAAAAAAAAAAAAAAAAAAAAAAAAAAAAAAAAAAAAAAAAAAAA/AAAAAAAAAKCGAQAAAAAAAAAAAAAAAAAMAAAAAQAAAAAAAAAAAAAAAAAAAB8AAABUAAAAT4G9Bf///wEAAAAAAAAAAAAAAAAAAAAAAAAAAAAAAAAAAAAAAAAAAAAAAAJ/f38A7uzhA8zMzADAwP8Af39/AAAAAAAAAAAAAAAAAAAAAAAAAAAAIQAAABgAAAAUAAAAfAEAAN8FAAAWNwAAzwkAAAAgAAAmAAAACAAAAP//////////"/>
-              </a:ext>
-            </a:extLst>
-          </p:cNvSpPr>
-          <p:nvPr/>
-        </p:nvSpPr>
-        <p:spPr>
-          <a:xfrm>
-            <a:off x="241300" y="954405"/>
-            <a:ext cx="8713470" cy="640080"/>
-          </a:xfrm>
-          <a:prstGeom prst="rect">
-            <a:avLst/>
-          </a:prstGeom>
-          <a:noFill/>
-          <a:ln>
-            <a:noFill/>
-          </a:ln>
-          <a:effectLst/>
-        </p:spPr>
-        <p:txBody>
-          <a:bodyPr vert="horz" wrap="square" numCol="1" spcCol="215900" anchor="t"/>
-          <a:lstStyle/>
-          <a:p>
-            <a:pPr>
-              <a:defRPr lang="fr-fr" sz="1800" i="1" cap="none">
-                <a:solidFill>
-                  <a:schemeClr val="tx1"/>
-                </a:solidFill>
-                <a:latin typeface="Verdana" pitchFamily="1" charset="0"/>
-                <a:ea typeface="Verdana" pitchFamily="1" charset="0"/>
-                <a:cs typeface="Verdana" pitchFamily="1" charset="0"/>
-              </a:defRPr>
-            </a:pPr>
-            <a:r>
-              <a:t>How do we set up inference with MCMC for a simple phylogenetic model in RevBayes ?</a:t>
-            </a:r>
-          </a:p>
-        </p:txBody>
-      </p:sp>
-    </p:spTree>
-  </p:cSld>
-  <p:clrMapOvr>
-    <a:masterClrMapping/>
-  </p:clrMapOvr>
-  <p:timing>
-    <p:tnLst>
-      <p:par>
-        <p:cTn id="1" dur="indefinite" restart="never" nodeType="tmRoot"/>
-      </p:par>
-    </p:tnLst>
-  </p:timing>
-</p:sld>
-</file>
-
 <file path=ppt/slides/slide26.xml><?xml version="1.0" encoding="utf-8"?>
 <p:sld xmlns:p="http://schemas.openxmlformats.org/presentationml/2006/main" xmlns:mc="http://schemas.openxmlformats.org/markup-compatibility/2006" xmlns:p14="http://schemas.microsoft.com/office/powerpoint/2010/main" xmlns:p15="http://schemas.microsoft.com/office/powerpoint/2012/main" xmlns:r="http://schemas.openxmlformats.org/officeDocument/2006/relationships" xmlns:a="http://schemas.openxmlformats.org/drawingml/2006/main" mc:Ignorable="p14">
   <p:cSld>
@@ -7912,7 +7959,7 @@
             <a:spLocks noGrp="1" noChangeArrowheads="1"/>
             <a:extLst>
               <a:ext uri="smNativeData">
-                <pr:smNativeData xmlns:pr="smNativeData" xmlns="smNativeData" val="SMDATA_15_iunWYhMAAAAlAAAAZAAAAA0AAAAAkAAAAEgAAACQAAAASAAAAAAAAAABAAAAAAAAAAEAAABQAAAAAAAAAAAA4D8AAAAAAADgPwAAAAAAAOA/AAAAAAAA4D8AAAAAAADgPwAAAAAAAOA/AAAAAAAA4D8AAAAAAADgPwAAAAAAAOA/AAAAAAAA4D8CAAAAjAAAAAAAAAAAAAAAT4G9DP///wgAAAAAAAAAAAAAAAAAAAAAAAAAAAAAAAAAAAAAZAAAAAEAAABAAAAAAAAAAAAAAAAAAAAAAAAAAAAAAAAAAAAAAAAAAAAAAAAAAAAAAAAAAAAAAAAAAAAAAAAAAAAAAAAAAAAAAAAAAAAAAAAAAAAAAAAAAAAAAAAAAAAAFAAAADwAAAAAAAAAAAAAAAAAAAkUAAAAAQAAABQAAAAUAAAAFAAAAAEAAAAAAAAAZAAAAGQAAAAAAAAAZAAAAGQAAAAVAAAAYAAAAAAAAAAAAAAADwAAACADAAAAAAAAAAAAAAEAAACgMgAAVgcAAKr4//8BAAAAf39/AAEAAABkAAAAAAAAABQAAABAHwAAAAAAACYAAAAAAAAAwOD//wAAAAAmAAAAZAAAABYAAABMAAAAAAAAAAAAAAAEAAAAAAAAAAEAAADu7OEKAAAAACgAAAAoAAAAZAAAAGQAAAAAAAAAzMzMAAAAAABQAAAAUAAAAGQAAABkAAAAAAAAABcAAAAUAAAAAAAAAAAAAAD/fwAA/38AAAAAAAAJAAAABAAAAAAAAAEeAAAAaAAAAAAAAAAAAAAAAAAAAAAAAAAAAAAAECcAABAnAAAAAAAAAAAAAAAAAAAAAAAAAAAAAAAAAAAAAAAAAAAAABQAAAAAAAAAwMD/AAAAAABkAAAAMgAAAAAAAABkAAAAAAAAAH9/fwAKAAAAIgAAABgAAAAAAAAAAAAAAAAAAAAAAAAAAAAAAAAAAAAkAAAAJAAAAAAAAAAHAAAAAAAAAAAAAAAAAAAAAAAAAAAAAAAAAAAAf39/ACUAAABYAAAAAAAAAAAAAAAAAAAAAAAAAAAAAAAAAAAAAAAAAAAAAAAAAAAAAAAAAAAAAAA/AAAAAAAAAKCGAQAAAAAAAAAAAAAAAAAMAAAAAQAAAAAAAAAAAAAAAAAAAB8AAABUAAAAT4G9Bf///wEAAAAAAAAAAAAAAAAAAAAAAAAAAAAAAAAAAAAAAAAAAAAAAAJ/f38A7uzhA8zMzADAwP8Af39/AAAAAAAAAAAAAAAAAAAAAAAAAAAAIQAAABgAAAAUAAAA0AIAALcAAABwNQAA1gMAAAAAAAAmAAAACAAAAAEAAAAAAAAA"/>
+                <pr:smNativeData xmlns:pr="smNativeData" xmlns="smNativeData" val="SMDATA_15_0rbXYhMAAAAlAAAAZAAAAA0AAAAAkAAAAEgAAACQAAAASAAAAAAAAAABAAAAAAAAAAEAAABQAAAAAAAAAAAA4D8AAAAAAADgPwAAAAAAAOA/AAAAAAAA4D8AAAAAAADgPwAAAAAAAOA/AAAAAAAA4D8AAAAAAADgPwAAAAAAAOA/AAAAAAAA4D8CAAAAjAAAAAAAAAAAAAAAT4G9DP///wgAAAAAAAAAAAAAAAAAAAAAAAAAAAAAAAAAAAAAZAAAAAEAAABAAAAAAAAAAAAAAAAAAAAAAAAAAAAAAAAAAAAAAAAAAAAAAAAAAAAAAAAAAAAAAAAAAAAAAAAAAAAAAAAAAAAAAAAAAAAAAAAAAAAAAAAAAAAAAAAAAAAAFAAAADwAAAAAAAAAAAAAAAAAAAkUAAAAAQAAABQAAAAUAAAAFAAAAAEAAAAAAAAAZAAAAGQAAAAAAAAAZAAAAGQAAAAVAAAAYAAAAAAAAAAAAAAADwAAACADAAAAAAAAAAAAAAEAAACgMgAAVgcAAKr4//8BAAAAf39/AAEAAABkAAAAAAAAABQAAABAHwAAAAAAACYAAAAAAAAAwOD//wAAAAAmAAAAZAAAABYAAABMAAAAAAAAAAAAAAAEAAAAAAAAAAEAAADu7OEKAAAAACgAAAAoAAAAZAAAAGQAAAAAAAAAzMzMAAAAAABQAAAAUAAAAGQAAABkAAAAAAAAABcAAAAUAAAAAAAAAAAAAAD/fwAA/38AAAAAAAAJAAAABAAAAFYAAAAeAAAAaAAAAAAAAAAAAAAAAAAAAAAAAAAAAAAAECcAABAnAAAAAAAAAAAAAAAAAAAAAAAAAAAAAAAAAAAAAAAAAAAAABQAAAAAAAAAwMD/AAAAAABkAAAAMgAAAAAAAABkAAAAAAAAAH9/fwAKAAAAIgAAABgAAAAAAAAAAAAAAAAAAAAAAAAAAAAAAAAAAAAkAAAAJAAAAAAAAAAHAAAAAAAAAAAAAAAAAAAAAAAAAAAAAAAAAAAAf39/ACUAAABYAAAAAAAAAAAAAAAAAAAAAAAAAAAAAAAAAAAAAAAAAAAAAAAAAAAAAAAAAAAAAAA/AAAAAAAAAKCGAQAAAAAAAAAAAAAAAAAMAAAAAQAAAAAAAAAAAAAAAAAAAB8AAABUAAAAT4G9Bf///wEAAAAAAAAAAAAAAAAAAAAAAAAAAAAAAAAAAAAAAAAAAAAAAAJ/f38A7uzhA8zMzADAwP8Af39/AAAAAAAAAAAAAAAAAAAAAAAAAAAAIQAAABgAAAAUAAAA0AIAALcAAABwNQAA1gMAAAAAAAAmAAAACAAAAAEAAAAAAAAA"/>
               </a:ext>
             </a:extLst>
           </p:cNvSpPr>
@@ -7945,7 +7992,7 @@
           <p:cNvSpPr txBox="1">
             <a:extLst>
               <a:ext uri="smNativeData">
-                <pr:smNativeData xmlns:pr="smNativeData" xmlns="smNativeData" val="SMDATA_15_iunWYhMAAAAlAAAAEgAAAE8BAAAAkAAAAEgAAACQAAAASAAAAAAAAAAAAAAAAAAAAAEAAABQAAAAAAAAAAAA4D8AAAAAAADgPwAAAAAAAOA/AAAAAAAA4D8AAAAAAADgPwAAAAAAAOA/AAAAAAAA4D8AAAAAAADgPwAAAAAAAOA/AAAAAAAA4D8CAAAAjAAAAAAAAAAAAAAAT4G9DP///wgAAAAAAAAAAAAAAAAAAAAAAAAAAAAAAAAAAAAAZAAAAAEAAABAAAAAAAAAAAAAAAAAAAAAAAAAAAAAAAAAAAAAAAAAAAAAAAAAAAAAAAAAAAAAAAAAAAAAAAAAAAAAAAAAAAAAAAAAAAAAAAAAAAAAAAAAAAAAAAAAAAAAFAAAADwAAAAAAAAAAAAAAAAAAAkUAAAAAQAAABQAAAAUAAAAFAAAAAEAAAAAAAAAZAAAAGQAAAAAAAAAZAAAAGQAAAAVAAAAYAAAAAAAAAAAAAAADwAAACADAAAAAAAAAAAAAAEAAACgMgAAVgcAAKr4//8BAAAAf39/AAEAAABkAAAAAAAAABQAAABAHwAAAAAAACYAAAAAAAAAwOD//wAAAAAmAAAAZAAAABYAAABMAAAAAAAAAAAAAAAEAAAAAAAAAAEAAADu7OEKAAAAACgAAAAoAAAAZAAAAGQAAAAAAAAAzMzMAAAAAABQAAAAUAAAAGQAAABkAAAAAAAAABcAAAAUAAAAAAAAABkMAAD/fwAA/38AAAAAAAAJAAAABAAAAD7o2aweAAAAaAAAAAAAAAAAAAAAAAAAAAAAAAAAAAAAECcAABAnAAAAAAAAAAAAAAAAAAAAAAAAAAAAAAAAAAAAAAAAAAAAABQAAAAAAAAAwMD/AAAAAABkAAAAMgAAAAAAAABkAAAAAAAAAH9/fwAKAAAAIgAAABgAAAAAAAAAAAAAAAAAAAAAAAAAAAAAAAAAAAAkAAAAJAAAAAAAAAAHAAAAAAAAAAAAAAAAAAAAAAAAAAAAAAAAAAAAf39/ACUAAABYAAAAAAAAAAAAAAAAAAAAAAAAAAAAAAAAAAAAAAAAAAAAAAAAAAAAAAAAAAAAAAA/AAAAAAAAAKCGAQAAAAAAAAAAAAAAAAAMAAAAAQAAAAAAAAAAAAAAAAAAAB8AAABUAAAAT4G9Bf///wEAAAAAAAAAAAAAAAAAAAAAAAAAAAAAAAAAAAAAAAAAAAAAAAJ/f38A7uzhA8zMzADAwP8Af39/AAAAAAAAAAAAAAAAAAAAAAAAAAAAIQAAABgAAAAUAAAAfAAAAEIFAAB2GwAAkgwAAAAgAAAmAAAACAAAAP//////////"/>
+                <pr:smNativeData xmlns:pr="smNativeData" xmlns="smNativeData" val="SMDATA_15_0rbXYhMAAAAlAAAAEgAAAE8BAAAAkAAAAEgAAACQAAAASAAAAAAAAAAAAAAAAAAAAAEAAABQAAAAAAAAAAAA4D8AAAAAAADgPwAAAAAAAOA/AAAAAAAA4D8AAAAAAADgPwAAAAAAAOA/AAAAAAAA4D8AAAAAAADgPwAAAAAAAOA/AAAAAAAA4D8CAAAAjAAAAAAAAAAAAAAAT4G9DP///wgAAAAAAAAAAAAAAAAAAAAAAAAAAAAAAAAAAAAAZAAAAAEAAABAAAAAAAAAAAAAAAAAAAAAAAAAAAAAAAAAAAAAAAAAAAAAAAAAAAAAAAAAAAAAAAAAAAAAAAAAAAAAAAAAAAAAAAAAAAAAAAAAAAAAAAAAAAAAAAAAAAAAFAAAADwAAAAAAAAAAAAAAAAAAAkUAAAAAQAAABQAAAAUAAAAFAAAAAEAAAAAAAAAZAAAAGQAAAAAAAAAZAAAAGQAAAAVAAAAYAAAAAAAAAAAAAAADwAAACADAAAAAAAAAAAAAAEAAACgMgAAVgcAAKr4//8BAAAAf39/AAEAAABkAAAAAAAAABQAAABAHwAAAAAAACYAAAAAAAAAwOD//wAAAAAmAAAAZAAAABYAAABMAAAAAAAAAAAAAAAEAAAAAAAAAAEAAADu7OEKAAAAACgAAAAoAAAAZAAAAGQAAAAAAAAAzMzMAAAAAABQAAAAUAAAAGQAAABkAAAAAAAAABcAAAAUAAAAAAAAABkMAAD/fwAA/38AAAAAAAAJAAAABAAAAAAAAAAeAAAAaAAAAAAAAAAAAAAAAAAAAAAAAAAAAAAAECcAABAnAAAAAAAAAAAAAAAAAAAAAAAAAAAAAAAAAAAAAAAAAAAAABQAAAAAAAAAwMD/AAAAAABkAAAAMgAAAAAAAABkAAAAAAAAAH9/fwAKAAAAIgAAABgAAAAAAAAAAAAAAAAAAAAAAAAAAAAAAAAAAAAkAAAAJAAAAAAAAAAHAAAAAAAAAAAAAAAAAAAAAAAAAAAAAAAAAAAAf39/ACUAAABYAAAAAAAAAAAAAAAAAAAAAAAAAAAAAAAAAAAAAAAAAAAAAAAAAAAAAAAAAAAAAAA/AAAAAAAAAKCGAQAAAAAAAAAAAAAAAAAMAAAAAQAAAAAAAAAAAAAAAAAAAB8AAABUAAAAT4G9Bf///wEAAAAAAAAAAAAAAAAAAAAAAAAAAAAAAAAAAAAAAAAAAAAAAAJ/f38A7uzhA8zMzADAwP8Af39/AAAAAAAAAAAAAAAAAAAAAAAAAAAAIQAAABgAAAAUAAAAfAEAAN8FAAAWNwAAzwkAAAAgAAAmAAAACAAAAP//////////"/>
               </a:ext>
             </a:extLst>
           </p:cNvSpPr>
@@ -7953,8 +8000,8 @@
         </p:nvSpPr>
         <p:spPr>
           <a:xfrm>
-            <a:off x="78740" y="854710"/>
-            <a:ext cx="4385310" cy="1188720"/>
+            <a:off x="241300" y="954405"/>
+            <a:ext cx="8713470" cy="640080"/>
           </a:xfrm>
           <a:prstGeom prst="rect">
             <a:avLst/>
@@ -7970,92 +8017,17 @@
           <a:lstStyle/>
           <a:p>
             <a:pPr>
-              <a:defRPr lang="fr-fr" sz="1200" cap="none">
-                <a:solidFill>
-                  <a:schemeClr val="tx2"/>
-                </a:solidFill>
-                <a:latin typeface="Courier 10 Pitch" pitchFamily="1" charset="0"/>
-                <a:ea typeface="Courier 10 Pitch" pitchFamily="1" charset="0"/>
-                <a:cs typeface="Courier 10 Pitch" pitchFamily="1" charset="0"/>
-              </a:defRPr>
-            </a:pPr>
-            <a:r>
-              <a:t>########</a:t>
-            </a:r>
-          </a:p>
-          <a:p>
-            <a:pPr>
-              <a:defRPr lang="fr-fr" sz="1200" cap="none">
-                <a:solidFill>
-                  <a:schemeClr val="tx2"/>
-                </a:solidFill>
-                <a:latin typeface="Courier 10 Pitch" pitchFamily="1" charset="0"/>
-                <a:ea typeface="Courier 10 Pitch" pitchFamily="1" charset="0"/>
-                <a:cs typeface="Courier 10 Pitch" pitchFamily="1" charset="0"/>
-              </a:defRPr>
-            </a:pPr>
-            <a:r>
-              <a:t># Data #</a:t>
-            </a:r>
-          </a:p>
-          <a:p>
-            <a:pPr>
-              <a:defRPr lang="fr-fr" sz="1200" cap="none">
-                <a:solidFill>
-                  <a:schemeClr val="tx2"/>
-                </a:solidFill>
-                <a:latin typeface="Courier 10 Pitch" pitchFamily="1" charset="0"/>
-                <a:ea typeface="Courier 10 Pitch" pitchFamily="1" charset="0"/>
-                <a:cs typeface="Courier 10 Pitch" pitchFamily="1" charset="0"/>
-              </a:defRPr>
-            </a:pPr>
-            <a:r>
-              <a:t>########</a:t>
-            </a:r>
-          </a:p>
-          <a:p>
-            <a:pPr>
-              <a:defRPr lang="fr-fr" sz="1200" cap="none">
-                <a:solidFill>
-                  <a:schemeClr val="tx2"/>
-                </a:solidFill>
-                <a:latin typeface="Courier 10 Pitch" pitchFamily="1" charset="0"/>
-                <a:ea typeface="Courier 10 Pitch" pitchFamily="1" charset="0"/>
-                <a:cs typeface="Courier 10 Pitch" pitchFamily="1" charset="0"/>
-              </a:defRPr>
-            </a:pPr>
-            <a:r>
-              <a:t># We read the sequence alignment:</a:t>
-            </a:r>
-          </a:p>
-          <a:p>
-            <a:pPr>
-              <a:defRPr lang="fr-fr" sz="1200" cap="none">
-                <a:solidFill>
-                  <a:srgbClr val="000000"/>
-                </a:solidFill>
-                <a:latin typeface="Courier 10 Pitch" pitchFamily="1" charset="0"/>
-                <a:ea typeface="Courier 10 Pitch" pitchFamily="1" charset="0"/>
-                <a:cs typeface="Courier 10 Pitch" pitchFamily="1" charset="0"/>
-              </a:defRPr>
-            </a:pPr>
-            <a:r>
-              <a:t>data = readDiscreteCharacterData("...")</a:t>
-            </a:r>
-          </a:p>
-          <a:p>
-            <a:pPr>
-              <a:defRPr lang="fr-fr" sz="1200" cap="none">
-                <a:solidFill>
-                  <a:srgbClr val="000000"/>
-                </a:solidFill>
-                <a:latin typeface="Courier 10 Pitch" pitchFamily="1" charset="0"/>
-                <a:ea typeface="Courier 10 Pitch" pitchFamily="1" charset="0"/>
-                <a:cs typeface="Courier 10 Pitch" pitchFamily="1" charset="0"/>
-              </a:defRPr>
-            </a:pPr>
-            <a:r>
-              <a:t>n_branches = 2 * data.ntaxa() - 3</a:t>
+              <a:defRPr lang="fr-fr" sz="1800" i="1" cap="none">
+                <a:solidFill>
+                  <a:schemeClr val="tx1"/>
+                </a:solidFill>
+                <a:latin typeface="Verdana" pitchFamily="1" charset="0"/>
+                <a:ea typeface="Verdana" pitchFamily="1" charset="0"/>
+                <a:cs typeface="Verdana" pitchFamily="1" charset="0"/>
+              </a:defRPr>
+            </a:pPr>
+            <a:r>
+              <a:t>How do we set up inference with MCMC for a simple phylogenetic model in RevBayes ?</a:t>
             </a:r>
           </a:p>
         </p:txBody>
@@ -8099,7 +8071,7 @@
             <a:spLocks noGrp="1" noChangeArrowheads="1"/>
             <a:extLst>
               <a:ext uri="smNativeData">
-                <pr:smNativeData xmlns:pr="smNativeData" xmlns="smNativeData" val="SMDATA_15_iunWYhMAAAAlAAAAZAAAAA0AAAAAkAAAAEgAAACQAAAASAAAAAAAAAABAAAAAAAAAAEAAABQAAAAAAAAAAAA4D8AAAAAAADgPwAAAAAAAOA/AAAAAAAA4D8AAAAAAADgPwAAAAAAAOA/AAAAAAAA4D8AAAAAAADgPwAAAAAAAOA/AAAAAAAA4D8CAAAAjAAAAAAAAAAAAAAAT4G9DP///wgAAAAAAAAAAAAAAAAAAAAAAAAAAAAAAAAAAAAAZAAAAAEAAABAAAAAAAAAAAAAAAAAAAAAAAAAAAAAAAAAAAAAAAAAAAAAAAAAAAAAAAAAAAAAAAAAAAAAAAAAAAAAAAAAAAAAAAAAAAAAAAAAAAAAAAAAAAAAAAAAAAAAFAAAADwAAAAAAAAAAAAAAAAAAAkUAAAAAQAAABQAAAAUAAAAFAAAAAEAAAAAAAAAZAAAAGQAAAAAAAAAZAAAAGQAAAAVAAAAYAAAAAAAAAAAAAAADwAAACADAAAAAAAAAAAAAAEAAACgMgAAVgcAAKr4//8BAAAAf39/AAEAAABkAAAAAAAAABQAAABAHwAAAAAAACYAAAAAAAAAwOD//wAAAAAmAAAAZAAAABYAAABMAAAAAAAAAAAAAAAEAAAAAAAAAAEAAADu7OEKAAAAACgAAAAoAAAAZAAAAGQAAAAAAAAAzMzMAAAAAABQAAAAUAAAAGQAAABkAAAAAAAAABcAAAAUAAAAAAAAAAAAAAD/fwAA/38AAAAAAAAJAAAABAAAAFYAAAAeAAAAaAAAAAAAAAAAAAAAAAAAAAAAAAAAAAAAECcAABAnAAAAAAAAAAAAAAAAAAAAAAAAAAAAAAAAAAAAAAAAAAAAABQAAAAAAAAAwMD/AAAAAABkAAAAMgAAAAAAAABkAAAAAAAAAH9/fwAKAAAAIgAAABgAAAAAAAAAAAAAAAAAAAAAAAAAAAAAAAAAAAAkAAAAJAAAAAAAAAAHAAAAAAAAAAAAAAAAAAAAAAAAAAAAAAAAAAAAf39/ACUAAABYAAAAAAAAAAAAAAAAAAAAAAAAAAAAAAAAAAAAAAAAAAAAAAAAAAAAAAAAAAAAAAA/AAAAAAAAAKCGAQAAAAAAAAAAAAAAAAAMAAAAAQAAAAAAAAAAAAAAAAAAAB8AAABUAAAAT4G9Bf///wEAAAAAAAAAAAAAAAAAAAAAAAAAAAAAAAAAAAAAAAAAAAAAAAJ/f38A7uzhA8zMzADAwP8Af39/AAAAAAAAAAAAAAAAAAAAAAAAAAAAIQAAABgAAAAUAAAA0AIAALcAAABwNQAA1gMAAAAAAAAmAAAACAAAAAEAAAAAAAAA"/>
+                <pr:smNativeData xmlns:pr="smNativeData" xmlns="smNativeData" val="SMDATA_15_0rbXYhMAAAAlAAAAZAAAAA0AAAAAkAAAAEgAAACQAAAASAAAAAAAAAABAAAAAAAAAAEAAABQAAAAAAAAAAAA4D8AAAAAAADgPwAAAAAAAOA/AAAAAAAA4D8AAAAAAADgPwAAAAAAAOA/AAAAAAAA4D8AAAAAAADgPwAAAAAAAOA/AAAAAAAA4D8CAAAAjAAAAAAAAAAAAAAAT4G9DP///wgAAAAAAAAAAAAAAAAAAAAAAAAAAAAAAAAAAAAAZAAAAAEAAABAAAAAAAAAAAAAAAAAAAAAAAAAAAAAAAAAAAAAAAAAAAAAAAAAAAAAAAAAAAAAAAAAAAAAAAAAAAAAAAAAAAAAAAAAAAAAAAAAAAAAAAAAAAAAAAAAAAAAFAAAADwAAAAAAAAAAAAAAAAAAAkUAAAAAQAAABQAAAAUAAAAFAAAAAEAAAAAAAAAZAAAAGQAAAAAAAAAZAAAAGQAAAAVAAAAYAAAAAAAAAAAAAAADwAAACADAAAAAAAAAAAAAAEAAACgMgAAVgcAAKr4//8BAAAAf39/AAEAAABkAAAAAAAAABQAAABAHwAAAAAAACYAAAAAAAAAwOD//wAAAAAmAAAAZAAAABYAAABMAAAAAAAAAAAAAAAEAAAAAAAAAAEAAADu7OEKAAAAACgAAAAoAAAAZAAAAGQAAAAAAAAAzMzMAAAAAABQAAAAUAAAAGQAAABkAAAAAAAAABcAAAAUAAAAAAAAAAAAAAD/fwAA/38AAAAAAAAJAAAABAAAAAAAAAEeAAAAaAAAAAAAAAAAAAAAAAAAAAAAAAAAAAAAECcAABAnAAAAAAAAAAAAAAAAAAAAAAAAAAAAAAAAAAAAAAAAAAAAABQAAAAAAAAAwMD/AAAAAABkAAAAMgAAAAAAAABkAAAAAAAAAH9/fwAKAAAAIgAAABgAAAAAAAAAAAAAAAAAAAAAAAAAAAAAAAAAAAAkAAAAJAAAAAAAAAAHAAAAAAAAAAAAAAAAAAAAAAAAAAAAAAAAAAAAf39/ACUAAABYAAAAAAAAAAAAAAAAAAAAAAAAAAAAAAAAAAAAAAAAAAAAAAAAAAAAAAAAAAAAAAA/AAAAAAAAAKCGAQAAAAAAAAAAAAAAAAAMAAAAAQAAAAAAAAAAAAAAAAAAAB8AAABUAAAAT4G9Bf///wEAAAAAAAAAAAAAAAAAAAAAAAAAAAAAAAAAAAAAAAAAAAAAAAJ/f38A7uzhA8zMzADAwP8Af39/AAAAAAAAAAAAAAAAAAAAAAAAAAAAIQAAABgAAAAUAAAA0AIAALcAAABwNQAA1gMAAAAAAAAmAAAACAAAAAEAAAAAAAAA"/>
               </a:ext>
             </a:extLst>
           </p:cNvSpPr>
@@ -8132,7 +8104,7 @@
           <p:cNvSpPr txBox="1">
             <a:extLst>
               <a:ext uri="smNativeData">
-                <pr:smNativeData xmlns:pr="smNativeData" xmlns="smNativeData" val="SMDATA_15_iunWYhMAAAAlAAAAEgAAAE8BAAAAkAAAAEgAAACQAAAASAAAAAAAAAAAAAAAAAAAAAEAAABQAAAAAAAAAAAA4D8AAAAAAADgPwAAAAAAAOA/AAAAAAAA4D8AAAAAAADgPwAAAAAAAOA/AAAAAAAA4D8AAAAAAADgPwAAAAAAAOA/AAAAAAAA4D8CAAAAjAAAAAAAAAAAAAAAT4G9DP///wgAAAAAAAAAAAAAAAAAAAAAAAAAAAAAAAAAAAAAZAAAAAEAAABAAAAAAAAAAAAAAAAAAAAAAAAAAAAAAAAAAAAAAAAAAAAAAAAAAAAAAAAAAAAAAAAAAAAAAAAAAAAAAAAAAAAAAAAAAAAAAAAAAAAAAAAAAAAAAAAAAAAAFAAAADwAAAAAAAAAAAAAAAAAAAkUAAAAAQAAABQAAAAUAAAAFAAAAAEAAAAAAAAAZAAAAGQAAAAAAAAAZAAAAGQAAAAVAAAAYAAAAAAAAAAAAAAADwAAACADAAAAAAAAAAAAAAEAAACgMgAAVgcAAKr4//8BAAAAf39/AAEAAABkAAAAAAAAABQAAABAHwAAAAAAACYAAAAAAAAAwOD//wAAAAAmAAAAZAAAABYAAABMAAAAAAAAAAAAAAAEAAAAAAAAAAEAAADu7OEKAAAAACgAAAAoAAAAZAAAAGQAAAAAAAAAzMzMAAAAAABQAAAAUAAAAGQAAABkAAAAAAAAABcAAAAUAAAAAAAAABkMAAD/fwAA/38AAAAAAAAJAAAABAAAAD7o2aweAAAAaAAAAAAAAAAAAAAAAAAAAAAAAAAAAAAAECcAABAnAAAAAAAAAAAAAAAAAAAAAAAAAAAAAAAAAAAAAAAAAAAAABQAAAAAAAAAwMD/AAAAAABkAAAAMgAAAAAAAABkAAAAAAAAAH9/fwAKAAAAIgAAABgAAAAAAAAAAAAAAAAAAAAAAAAAAAAAAAAAAAAkAAAAJAAAAAAAAAAHAAAAAAAAAAAAAAAAAAAAAAAAAAAAAAAAAAAAf39/ACUAAABYAAAAAAAAAAAAAAAAAAAAAAAAAAAAAAAAAAAAAAAAAAAAAAAAAAAAAAAAAAAAAAA/AAAAAAAAAKCGAQAAAAAAAAAAAAAAAAAMAAAAAQAAAAAAAAAAAAAAAAAAAB8AAABUAAAAT4G9Bf///wEAAAAAAAAAAAAAAAAAAAAAAAAAAAAAAAAAAAAAAAAAAAAAAAJ/f38A7uzhA8zMzADAwP8Af39/AAAAAAAAAAAAAAAAAAAAAAAAAAAAIQAAABgAAAAUAAAAfAAAAEIFAAB2GwAAkgwAAAAgAAAmAAAACAAAAP//////////"/>
+                <pr:smNativeData xmlns:pr="smNativeData" xmlns="smNativeData" val="SMDATA_15_0rbXYhMAAAAlAAAAEgAAAE8BAAAAkAAAAEgAAACQAAAASAAAAAAAAAAAAAAAAAAAAAEAAABQAAAAAAAAAAAA4D8AAAAAAADgPwAAAAAAAOA/AAAAAAAA4D8AAAAAAADgPwAAAAAAAOA/AAAAAAAA4D8AAAAAAADgPwAAAAAAAOA/AAAAAAAA4D8CAAAAjAAAAAAAAAAAAAAAT4G9DP///wgAAAAAAAAAAAAAAAAAAAAAAAAAAAAAAAAAAAAAZAAAAAEAAABAAAAAAAAAAAAAAAAAAAAAAAAAAAAAAAAAAAAAAAAAAAAAAAAAAAAAAAAAAAAAAAAAAAAAAAAAAAAAAAAAAAAAAAAAAAAAAAAAAAAAAAAAAAAAAAAAAAAAFAAAADwAAAAAAAAAAAAAAAAAAAkUAAAAAQAAABQAAAAUAAAAFAAAAAEAAAAAAAAAZAAAAGQAAAAAAAAAZAAAAGQAAAAVAAAAYAAAAAAAAAAAAAAADwAAACADAAAAAAAAAAAAAAEAAACgMgAAVgcAAKr4//8BAAAAf39/AAEAAABkAAAAAAAAABQAAABAHwAAAAAAACYAAAAAAAAAwOD//wAAAAAmAAAAZAAAABYAAABMAAAAAAAAAAAAAAAEAAAAAAAAAAEAAADu7OEKAAAAACgAAAAoAAAAZAAAAGQAAAAAAAAAzMzMAAAAAABQAAAAUAAAAGQAAABkAAAAAAAAABcAAAAUAAAAAAAAABkMAAD/fwAA/38AAAAAAAAJAAAABAAAAD7o2aweAAAAaAAAAAAAAAAAAAAAAAAAAAAAAAAAAAAAECcAABAnAAAAAAAAAAAAAAAAAAAAAAAAAAAAAAAAAAAAAAAAAAAAABQAAAAAAAAAwMD/AAAAAABkAAAAMgAAAAAAAABkAAAAAAAAAH9/fwAKAAAAIgAAABgAAAAAAAAAAAAAAAAAAAAAAAAAAAAAAAAAAAAkAAAAJAAAAAAAAAAHAAAAAAAAAAAAAAAAAAAAAAAAAAAAAAAAAAAAf39/ACUAAABYAAAAAAAAAAAAAAAAAAAAAAAAAAAAAAAAAAAAAAAAAAAAAAAAAAAAAAAAAAAAAAA/AAAAAAAAAKCGAQAAAAAAAAAAAAAAAAAMAAAAAQAAAAAAAAAAAAAAAAAAAB8AAABUAAAAT4G9Bf///wEAAAAAAAAAAAAAAAAAAAAAAAAAAAAAAAAAAAAAAAAAAAAAAAJ/f38A7uzhA8zMzADAwP8Af39/AAAAAAAAAAAAAAAAAAAAAAAAAAAAIQAAABgAAAAUAAAAfAAAAEIFAAB2GwAAkgwAAAAgAAAmAAAACAAAAP//////////"/>
               </a:ext>
             </a:extLst>
           </p:cNvSpPr>
@@ -8243,334 +8215,6 @@
             </a:pPr>
             <a:r>
               <a:t>n_branches = 2 * data.ntaxa() - 3</a:t>
-            </a:r>
-          </a:p>
-        </p:txBody>
-      </p:sp>
-      <p:sp>
-        <p:nvSpPr>
-          <p:cNvPr id="4" name="CadreTexte2"/>
-          <p:cNvSpPr txBox="1">
-            <a:extLst>
-              <a:ext uri="smNativeData">
-                <pr:smNativeData xmlns:pr="smNativeData" xmlns="smNativeData" val="SMDATA_15_iunWYhMAAAAlAAAAEgAAAE8BAAAAkAAAAEgAAACQAAAASAAAAAAAAAAAAAAAAAAAAAEAAABQAAAAAAAAAAAA4D8AAAAAAADgPwAAAAAAAOA/AAAAAAAA4D8AAAAAAADgPwAAAAAAAOA/AAAAAAAA4D8AAAAAAADgPwAAAAAAAOA/AAAAAAAA4D8CAAAAjAAAAAAAAAAAAAAAT4G9DP///wgAAAAAAAAAAAAAAAAAAAAAAAAAAAAAAAAAAAAAZAAAAAEAAABAAAAAAAAAAAAAAAAAAAAAAAAAAAAAAAAAAAAAAAAAAAAAAAAAAAAAAAAAAAAAAAAAAAAAAAAAAAAAAAAAAAAAAAAAAAAAAAAAAAAAAAAAAAAAAAAAAAAAFAAAADwAAAAAAAAAAAAAAAAAAAkUAAAAAQAAABQAAAAUAAAAFAAAAAEAAAAAAAAAZAAAAGQAAAAAAAAAZAAAAGQAAAAVAAAAYAAAAAAAAAAAAAAADwAAACADAAAAAAAAAAAAAAEAAACgMgAAVgcAAKr4//8BAAAAf39/AAEAAABkAAAAAAAAABQAAABAHwAAAAAAACYAAAAAAAAAwOD//wAAAAAmAAAAZAAAABYAAABMAAAAAAAAAAAAAAAEAAAAAAAAAAEAAADu7OEKAAAAACgAAAAoAAAAZAAAAGQAAAAAAAAAzMzMAAAAAABQAAAAUAAAAGQAAABkAAAAAAAAABcAAAAUAAAAAAAAABkMAAD/fwAA/38AAAAAAAAJAAAABAAAAAAAAAEeAAAAaAAAAAAAAAAAAAAAAAAAAAAAAAAAAAAAECcAABAnAAAAAAAAAAAAAAAAAAAAAAAAAAAAAAAAAAAAAAAAAAAAABQAAAAAAAAAwMD/AAAAAABkAAAAMgAAAAAAAABkAAAAAAAAAH9/fwAKAAAAIgAAABgAAAAAAAAAAAAAAAAAAAAAAAAAAAAAAAAAAAAkAAAAJAAAAAAAAAAHAAAAAAAAAAAAAAAAAAAAAAAAAAAAAAAAAAAAf39/ACUAAABYAAAAAAAAAAAAAAAAAAAAAAAAAAAAAAAAAAAAAAAAAAAAAAAAAAAAAAAAAAAAAAA/AAAAAAAAAKCGAQAAAAAAAAAAAAAAAAAMAAAAAQAAAAAAAAAAAAAAAAAAAB8AAABUAAAAT4G9Bf///wEAAAAAAAAAAAAAAAAAAAAAAAAAAAAAAAAAAAAAAAAAAAAAAAJ/f38A7uzhA8zMzADAwP8Af39/AAAAAAAAAAAAAAAAAAAAAAAAAAAAIQAAABgAAAAUAAAAfAAAAOAMAACHGwAAUCcAAAAgAAAmAAAACAAAAP//////////"/>
-              </a:ext>
-            </a:extLst>
-          </p:cNvSpPr>
-          <p:nvPr/>
-        </p:nvSpPr>
-        <p:spPr>
-          <a:xfrm>
-            <a:off x="78740" y="2092960"/>
-            <a:ext cx="4396105" cy="4297680"/>
-          </a:xfrm>
-          <a:prstGeom prst="rect">
-            <a:avLst/>
-          </a:prstGeom>
-          <a:noFill/>
-          <a:ln>
-            <a:noFill/>
-          </a:ln>
-          <a:effectLst/>
-        </p:spPr>
-        <p:txBody>
-          <a:bodyPr vert="horz" wrap="square" numCol="1" spcCol="215900" anchor="t"/>
-          <a:lstStyle/>
-          <a:p>
-            <a:pPr>
-              <a:defRPr lang="fr-fr" sz="1200" cap="none">
-                <a:solidFill>
-                  <a:schemeClr val="accent2"/>
-                </a:solidFill>
-                <a:latin typeface="Courier 10 Pitch" pitchFamily="1" charset="0"/>
-                <a:ea typeface="Courier 10 Pitch" pitchFamily="1" charset="0"/>
-                <a:cs typeface="Courier 10 Pitch" pitchFamily="1" charset="0"/>
-              </a:defRPr>
-            </a:pPr>
-            <a:r>
-              <a:t>###############################</a:t>
-            </a:r>
-          </a:p>
-          <a:p>
-            <a:pPr>
-              <a:defRPr lang="fr-fr" sz="1200" cap="none">
-                <a:solidFill>
-                  <a:schemeClr val="accent2"/>
-                </a:solidFill>
-                <a:latin typeface="Courier 10 Pitch" pitchFamily="1" charset="0"/>
-                <a:ea typeface="Courier 10 Pitch" pitchFamily="1" charset="0"/>
-                <a:cs typeface="Courier 10 Pitch" pitchFamily="1" charset="0"/>
-              </a:defRPr>
-            </a:pPr>
-            <a:r>
-              <a:t># Model of sequence evolution #</a:t>
-            </a:r>
-          </a:p>
-          <a:p>
-            <a:pPr>
-              <a:defRPr lang="fr-fr" sz="1200" cap="none">
-                <a:solidFill>
-                  <a:schemeClr val="accent2"/>
-                </a:solidFill>
-                <a:latin typeface="Courier 10 Pitch" pitchFamily="1" charset="0"/>
-                <a:ea typeface="Courier 10 Pitch" pitchFamily="1" charset="0"/>
-                <a:cs typeface="Courier 10 Pitch" pitchFamily="1" charset="0"/>
-              </a:defRPr>
-            </a:pPr>
-            <a:r>
-              <a:t>###############################</a:t>
-            </a:r>
-          </a:p>
-          <a:p>
-            <a:pPr>
-              <a:defRPr lang="fr-fr" sz="1200" cap="none">
-                <a:solidFill>
-                  <a:schemeClr val="accent2"/>
-                </a:solidFill>
-                <a:latin typeface="Courier 10 Pitch" pitchFamily="1" charset="0"/>
-                <a:ea typeface="Courier 10 Pitch" pitchFamily="1" charset="0"/>
-                <a:cs typeface="Courier 10 Pitch" pitchFamily="1" charset="0"/>
-              </a:defRPr>
-            </a:pPr>
-            <a:r>
-              <a:t># Uniform prior on topologies</a:t>
-            </a:r>
-          </a:p>
-          <a:p>
-            <a:pPr>
-              <a:defRPr lang="fr-fr" sz="1200" cap="none">
-                <a:solidFill>
-                  <a:srgbClr val="000000"/>
-                </a:solidFill>
-                <a:latin typeface="Courier 10 Pitch" pitchFamily="1" charset="0"/>
-                <a:ea typeface="Courier 10 Pitch" pitchFamily="1" charset="0"/>
-                <a:cs typeface="Courier 10 Pitch" pitchFamily="1" charset="0"/>
-              </a:defRPr>
-            </a:pPr>
-            <a:r>
-              <a:t>topology ~ dnUniformTopology(...)</a:t>
-            </a:r>
-          </a:p>
-          <a:p>
-            <a:pPr>
-              <a:defRPr lang="fr-fr" sz="1200" cap="none">
-                <a:solidFill>
-                  <a:schemeClr val="accent2"/>
-                </a:solidFill>
-                <a:latin typeface="Courier 10 Pitch" pitchFamily="1" charset="0"/>
-                <a:ea typeface="Courier 10 Pitch" pitchFamily="1" charset="0"/>
-                <a:cs typeface="Courier 10 Pitch" pitchFamily="1" charset="0"/>
-              </a:defRPr>
-            </a:pPr>
-          </a:p>
-          <a:p>
-            <a:pPr>
-              <a:defRPr lang="fr-fr" sz="1200" cap="none">
-                <a:solidFill>
-                  <a:schemeClr val="accent2"/>
-                </a:solidFill>
-                <a:latin typeface="Courier 10 Pitch" pitchFamily="1" charset="0"/>
-                <a:ea typeface="Courier 10 Pitch" pitchFamily="1" charset="0"/>
-                <a:cs typeface="Courier 10 Pitch" pitchFamily="1" charset="0"/>
-              </a:defRPr>
-            </a:pPr>
-            <a:r>
-              <a:t># Exponential priors on branch lengths</a:t>
-            </a:r>
-          </a:p>
-          <a:p>
-            <a:pPr>
-              <a:defRPr lang="fr-fr" sz="1200" cap="none">
-                <a:solidFill>
-                  <a:srgbClr val="000000"/>
-                </a:solidFill>
-                <a:latin typeface="Courier 10 Pitch" pitchFamily="1" charset="0"/>
-                <a:ea typeface="Courier 10 Pitch" pitchFamily="1" charset="0"/>
-                <a:cs typeface="Courier 10 Pitch" pitchFamily="1" charset="0"/>
-              </a:defRPr>
-            </a:pPr>
-            <a:r>
-              <a:t>for (i in 1:n_branches) {</a:t>
-            </a:r>
-          </a:p>
-          <a:p>
-            <a:pPr>
-              <a:defRPr lang="fr-fr" sz="1200" cap="none">
-                <a:solidFill>
-                  <a:srgbClr val="000000"/>
-                </a:solidFill>
-                <a:latin typeface="Courier 10 Pitch" pitchFamily="1" charset="0"/>
-                <a:ea typeface="Courier 10 Pitch" pitchFamily="1" charset="0"/>
-                <a:cs typeface="Courier 10 Pitch" pitchFamily="1" charset="0"/>
-              </a:defRPr>
-            </a:pPr>
-            <a:r>
-              <a:t> bls[i] ~ dnExponential(10)</a:t>
-            </a:r>
-          </a:p>
-          <a:p>
-            <a:pPr>
-              <a:defRPr lang="fr-fr" sz="1200" cap="none">
-                <a:solidFill>
-                  <a:srgbClr val="000000"/>
-                </a:solidFill>
-                <a:latin typeface="Courier 10 Pitch" pitchFamily="1" charset="0"/>
-                <a:ea typeface="Courier 10 Pitch" pitchFamily="1" charset="0"/>
-                <a:cs typeface="Courier 10 Pitch" pitchFamily="1" charset="0"/>
-              </a:defRPr>
-            </a:pPr>
-            <a:r>
-              <a:t>}</a:t>
-            </a:r>
-          </a:p>
-          <a:p>
-            <a:pPr>
-              <a:defRPr lang="fr-fr" sz="1200" cap="none">
-                <a:solidFill>
-                  <a:schemeClr val="accent2"/>
-                </a:solidFill>
-                <a:latin typeface="Courier 10 Pitch" pitchFamily="1" charset="0"/>
-                <a:ea typeface="Courier 10 Pitch" pitchFamily="1" charset="0"/>
-                <a:cs typeface="Courier 10 Pitch" pitchFamily="1" charset="0"/>
-              </a:defRPr>
-            </a:pPr>
-            <a:r>
-              <a:t># Putting branch lengths and topology together</a:t>
-            </a:r>
-          </a:p>
-          <a:p>
-            <a:pPr>
-              <a:defRPr lang="fr-fr" sz="1200" cap="none">
-                <a:solidFill>
-                  <a:srgbClr val="000000"/>
-                </a:solidFill>
-                <a:latin typeface="Courier 10 Pitch" pitchFamily="1" charset="0"/>
-                <a:ea typeface="Courier 10 Pitch" pitchFamily="1" charset="0"/>
-                <a:cs typeface="Courier 10 Pitch" pitchFamily="1" charset="0"/>
-              </a:defRPr>
-            </a:pPr>
-            <a:r>
-              <a:t>psi := treeAssembly(topology, bls)</a:t>
-            </a:r>
-          </a:p>
-          <a:p>
-            <a:pPr>
-              <a:defRPr lang="fr-fr" sz="1200" cap="none">
-                <a:solidFill>
-                  <a:schemeClr val="accent2"/>
-                </a:solidFill>
-                <a:latin typeface="Courier 10 Pitch" pitchFamily="1" charset="0"/>
-                <a:ea typeface="Courier 10 Pitch" pitchFamily="1" charset="0"/>
-                <a:cs typeface="Courier 10 Pitch" pitchFamily="1" charset="0"/>
-              </a:defRPr>
-            </a:pPr>
-            <a:r>
-              <a:t># We define a JC rate matrix:</a:t>
-            </a:r>
-          </a:p>
-          <a:p>
-            <a:pPr>
-              <a:defRPr lang="fr-fr" sz="1200" cap="none">
-                <a:solidFill>
-                  <a:srgbClr val="000000"/>
-                </a:solidFill>
-                <a:latin typeface="Courier 10 Pitch" pitchFamily="1" charset="0"/>
-                <a:ea typeface="Courier 10 Pitch" pitchFamily="1" charset="0"/>
-                <a:cs typeface="Courier 10 Pitch" pitchFamily="1" charset="0"/>
-              </a:defRPr>
-            </a:pPr>
-            <a:r>
-              <a:t>Q &lt;- fnJC(4)</a:t>
-            </a:r>
-          </a:p>
-          <a:p>
-            <a:pPr>
-              <a:defRPr lang="fr-fr" sz="1200" cap="none">
-                <a:solidFill>
-                  <a:schemeClr val="accent2"/>
-                </a:solidFill>
-                <a:latin typeface="Courier 10 Pitch" pitchFamily="1" charset="0"/>
-                <a:ea typeface="Courier 10 Pitch" pitchFamily="1" charset="0"/>
-                <a:cs typeface="Courier 10 Pitch" pitchFamily="1" charset="0"/>
-              </a:defRPr>
-            </a:pPr>
-            <a:r>
-              <a:t># The sequences are drawn from a CTMC running along the tree</a:t>
-            </a:r>
-          </a:p>
-          <a:p>
-            <a:pPr>
-              <a:defRPr lang="fr-fr" sz="1200" cap="none">
-                <a:solidFill>
-                  <a:srgbClr val="000000"/>
-                </a:solidFill>
-                <a:latin typeface="Courier 10 Pitch" pitchFamily="1" charset="0"/>
-                <a:ea typeface="Courier 10 Pitch" pitchFamily="1" charset="0"/>
-                <a:cs typeface="Courier 10 Pitch" pitchFamily="1" charset="0"/>
-              </a:defRPr>
-            </a:pPr>
-            <a:r>
-              <a:t>seq ~ dnPhyloCTMC( tree=psi, Q=Q, type="DNA" )</a:t>
-            </a:r>
-          </a:p>
-          <a:p>
-            <a:pPr>
-              <a:defRPr lang="fr-fr" sz="1200" cap="none">
-                <a:solidFill>
-                  <a:schemeClr val="accent2"/>
-                </a:solidFill>
-                <a:latin typeface="Courier 10 Pitch" pitchFamily="1" charset="0"/>
-                <a:ea typeface="Courier 10 Pitch" pitchFamily="1" charset="0"/>
-                <a:cs typeface="Courier 10 Pitch" pitchFamily="1" charset="0"/>
-              </a:defRPr>
-            </a:pPr>
-            <a:r>
-              <a:t># We condition the CTMC on the sequence alignment.</a:t>
-            </a:r>
-          </a:p>
-          <a:p>
-            <a:pPr>
-              <a:defRPr lang="fr-fr" sz="1200" cap="none">
-                <a:solidFill>
-                  <a:srgbClr val="000000"/>
-                </a:solidFill>
-                <a:latin typeface="Courier 10 Pitch" pitchFamily="1" charset="0"/>
-                <a:ea typeface="Courier 10 Pitch" pitchFamily="1" charset="0"/>
-                <a:cs typeface="Courier 10 Pitch" pitchFamily="1" charset="0"/>
-              </a:defRPr>
-            </a:pPr>
-            <a:r>
-              <a:t>seq.clamp( data )</a:t>
-            </a:r>
-          </a:p>
-          <a:p>
-            <a:pPr>
-              <a:defRPr lang="fr-fr" sz="1200" cap="none">
-                <a:solidFill>
-                  <a:schemeClr val="accent2"/>
-                </a:solidFill>
-                <a:latin typeface="Courier 10 Pitch" pitchFamily="1" charset="0"/>
-                <a:ea typeface="Courier 10 Pitch" pitchFamily="1" charset="0"/>
-                <a:cs typeface="Courier 10 Pitch" pitchFamily="1" charset="0"/>
-              </a:defRPr>
-            </a:pPr>
-            <a:r>
-              <a:t># We declare the model as one big object that we are going to use in the MCMC:</a:t>
-            </a:r>
-          </a:p>
-          <a:p>
-            <a:pPr>
-              <a:defRPr lang="fr-fr" sz="1200" cap="none">
-                <a:solidFill>
-                  <a:srgbClr val="000000"/>
-                </a:solidFill>
-                <a:latin typeface="Courier 10 Pitch" pitchFamily="1" charset="0"/>
-                <a:ea typeface="Courier 10 Pitch" pitchFamily="1" charset="0"/>
-                <a:cs typeface="Courier 10 Pitch" pitchFamily="1" charset="0"/>
-              </a:defRPr>
-            </a:pPr>
-            <a:r>
-              <a:t>my_model = model(psi)</a:t>
             </a:r>
           </a:p>
         </p:txBody>
@@ -8614,7 +8258,7 @@
             <a:spLocks noGrp="1" noChangeArrowheads="1"/>
             <a:extLst>
               <a:ext uri="smNativeData">
-                <pr:smNativeData xmlns:pr="smNativeData" xmlns="smNativeData" val="SMDATA_15_iunWYhMAAAAlAAAAZAAAAA0AAAAAkAAAAEgAAACQAAAASAAAAAAAAAABAAAAAAAAAAEAAABQAAAAAAAAAAAA4D8AAAAAAADgPwAAAAAAAOA/AAAAAAAA4D8AAAAAAADgPwAAAAAAAOA/AAAAAAAA4D8AAAAAAADgPwAAAAAAAOA/AAAAAAAA4D8CAAAAjAAAAAAAAAAAAAAAT4G9DP///wgAAAAAAAAAAAAAAAAAAAAAAAAAAAAAAAAAAAAAZAAAAAEAAABAAAAAAAAAAAAAAAAAAAAAAAAAAAAAAAAAAAAAAAAAAAAAAAAAAAAAAAAAAAAAAAAAAAAAAAAAAAAAAAAAAAAAAAAAAAAAAAAAAAAAAAAAAAAAAAAAAAAAFAAAADwAAAAAAAAAAAAAAAAAAAkUAAAAAQAAABQAAAAUAAAAFAAAAAEAAAAAAAAAZAAAAGQAAAAAAAAAZAAAAGQAAAAVAAAAYAAAAAAAAAAAAAAADwAAACADAAAAAAAAAAAAAAEAAACgMgAAVgcAAKr4//8BAAAAf39/AAEAAABkAAAAAAAAABQAAABAHwAAAAAAACYAAAAAAAAAwOD//wAAAAAmAAAAZAAAABYAAABMAAAAAAAAAAAAAAAEAAAAAAAAAAEAAADu7OEKAAAAACgAAAAoAAAAZAAAAGQAAAAAAAAAzMzMAAAAAABQAAAAUAAAAGQAAABkAAAAAAAAABcAAAAUAAAAAAAAAAAAAAD/fwAA/38AAAAAAAAJAAAABAAAAAAAAAEeAAAAaAAAAAAAAAAAAAAAAAAAAAAAAAAAAAAAECcAABAnAAAAAAAAAAAAAAAAAAAAAAAAAAAAAAAAAAAAAAAAAAAAABQAAAAAAAAAwMD/AAAAAABkAAAAMgAAAAAAAABkAAAAAAAAAH9/fwAKAAAAIgAAABgAAAAAAAAAAAAAAAAAAAAAAAAAAAAAAAAAAAAkAAAAJAAAAAAAAAAHAAAAAAAAAAAAAAAAAAAAAAAAAAAAAAAAAAAAf39/ACUAAABYAAAAAAAAAAAAAAAAAAAAAAAAAAAAAAAAAAAAAAAAAAAAAAAAAAAAAAAAAAAAAAA/AAAAAAAAAKCGAQAAAAAAAAAAAAAAAAAMAAAAAQAAAAAAAAAAAAAAAAAAAB8AAABUAAAAT4G9Bf///wEAAAAAAAAAAAAAAAAAAAAAAAAAAAAAAAAAAAAAAAAAAAAAAAJ/f38A7uzhA8zMzADAwP8Af39/AAAAAAAAAAAAAAAAAAAAAAAAAAAAIQAAABgAAAAUAAAA0AIAALcAAABwNQAA1gMAAAAAAAAmAAAACAAAAAEAAAAAAAAA"/>
+                <pr:smNativeData xmlns:pr="smNativeData" xmlns="smNativeData" val="SMDATA_15_0rbXYhMAAAAlAAAAZAAAAA0AAAAAkAAAAEgAAACQAAAASAAAAAAAAAABAAAAAAAAAAEAAABQAAAAAAAAAAAA4D8AAAAAAADgPwAAAAAAAOA/AAAAAAAA4D8AAAAAAADgPwAAAAAAAOA/AAAAAAAA4D8AAAAAAADgPwAAAAAAAOA/AAAAAAAA4D8CAAAAjAAAAAAAAAAAAAAAT4G9DP///wgAAAAAAAAAAAAAAAAAAAAAAAAAAAAAAAAAAAAAZAAAAAEAAABAAAAAAAAAAAAAAAAAAAAAAAAAAAAAAAAAAAAAAAAAAAAAAAAAAAAAAAAAAAAAAAAAAAAAAAAAAAAAAAAAAAAAAAAAAAAAAAAAAAAAAAAAAAAAAAAAAAAAFAAAADwAAAAAAAAAAAAAAAAAAAkUAAAAAQAAABQAAAAUAAAAFAAAAAEAAAAAAAAAZAAAAGQAAAAAAAAAZAAAAGQAAAAVAAAAYAAAAAAAAAAAAAAADwAAACADAAAAAAAAAAAAAAEAAACgMgAAVgcAAKr4//8BAAAAf39/AAEAAABkAAAAAAAAABQAAABAHwAAAAAAACYAAAAAAAAAwOD//wAAAAAmAAAAZAAAABYAAABMAAAAAAAAAAAAAAAEAAAAAAAAAAEAAADu7OEKAAAAACgAAAAoAAAAZAAAAGQAAAAAAAAAzMzMAAAAAABQAAAAUAAAAGQAAABkAAAAAAAAABcAAAAUAAAAAAAAAAAAAAD/fwAA/38AAAAAAAAJAAAABAAAAFYAAAAeAAAAaAAAAAAAAAAAAAAAAAAAAAAAAAAAAAAAECcAABAnAAAAAAAAAAAAAAAAAAAAAAAAAAAAAAAAAAAAAAAAAAAAABQAAAAAAAAAwMD/AAAAAABkAAAAMgAAAAAAAABkAAAAAAAAAH9/fwAKAAAAIgAAABgAAAAAAAAAAAAAAAAAAAAAAAAAAAAAAAAAAAAkAAAAJAAAAAAAAAAHAAAAAAAAAAAAAAAAAAAAAAAAAAAAAAAAAAAAf39/ACUAAABYAAAAAAAAAAAAAAAAAAAAAAAAAAAAAAAAAAAAAAAAAAAAAAAAAAAAAAAAAAAAAAA/AAAAAAAAAKCGAQAAAAAAAAAAAAAAAAAMAAAAAQAAAAAAAAAAAAAAAAAAAB8AAABUAAAAT4G9Bf///wEAAAAAAAAAAAAAAAAAAAAAAAAAAAAAAAAAAAAAAAAAAAAAAAJ/f38A7uzhA8zMzADAwP8Af39/AAAAAAAAAAAAAAAAAAAAAAAAAAAAIQAAABgAAAAUAAAA0AIAALcAAABwNQAA1gMAAAAAAAAmAAAACAAAAAEAAAAAAAAA"/>
               </a:ext>
             </a:extLst>
           </p:cNvSpPr>
@@ -8647,7 +8291,7 @@
           <p:cNvSpPr txBox="1">
             <a:extLst>
               <a:ext uri="smNativeData">
-                <pr:smNativeData xmlns:pr="smNativeData" xmlns="smNativeData" val="SMDATA_15_iunWYhMAAAAlAAAAEgAAAE8BAAAAkAAAAEgAAACQAAAASAAAAAAAAAAAAAAAAAAAAAEAAABQAAAAAAAAAAAA4D8AAAAAAADgPwAAAAAAAOA/AAAAAAAA4D8AAAAAAADgPwAAAAAAAOA/AAAAAAAA4D8AAAAAAADgPwAAAAAAAOA/AAAAAAAA4D8CAAAAjAAAAAAAAAAAAAAAT4G9DP///wgAAAAAAAAAAAAAAAAAAAAAAAAAAAAAAAAAAAAAZAAAAAEAAABAAAAAAAAAAAAAAAAAAAAAAAAAAAAAAAAAAAAAAAAAAAAAAAAAAAAAAAAAAAAAAAAAAAAAAAAAAAAAAAAAAAAAAAAAAAAAAAAAAAAAAAAAAAAAAAAAAAAAFAAAADwAAAAAAAAAAAAAAAAAAAkUAAAAAQAAABQAAAAUAAAAFAAAAAEAAAAAAAAAZAAAAGQAAAAAAAAAZAAAAGQAAAAVAAAAYAAAAAAAAAAAAAAADwAAACADAAAAAAAAAAAAAAEAAACgMgAAVgcAAKr4//8BAAAAf39/AAEAAABkAAAAAAAAABQAAABAHwAAAAAAACYAAAAAAAAAwOD//wAAAAAmAAAAZAAAABYAAABMAAAAAAAAAAAAAAAEAAAAAAAAAAEAAADu7OEKAAAAACgAAAAoAAAAZAAAAGQAAAAAAAAAzMzMAAAAAABQAAAAUAAAAGQAAABkAAAAAAAAABcAAAAUAAAAAAAAABkMAAD/fwAA/38AAAAAAAAJAAAABAAAAAAAAAAeAAAAaAAAAAAAAAAAAAAAAAAAAAAAAAAAAAAAECcAABAnAAAAAAAAAAAAAAAAAAAAAAAAAAAAAAAAAAAAAAAAAAAAABQAAAAAAAAAwMD/AAAAAABkAAAAMgAAAAAAAABkAAAAAAAAAH9/fwAKAAAAIgAAABgAAAAAAAAAAAAAAAAAAAAAAAAAAAAAAAAAAAAkAAAAJAAAAAAAAAAHAAAAAAAAAAAAAAAAAAAAAAAAAAAAAAAAAAAAf39/ACUAAABYAAAAAAAAAAAAAAAAAAAAAAAAAAAAAAAAAAAAAAAAAAAAAAAAAAAAAAAAAAAAAAA/AAAAAAAAAKCGAQAAAAAAAAAAAAAAAAAMAAAAAQAAAAAAAAAAAAAAAAAAAB8AAABUAAAAT4G9Bf///wEAAAAAAAAAAAAAAAAAAAAAAAAAAAAAAAAAAAAAAAAAAAAAAAJ/f38A7uzhA8zMzADAwP8Af39/AAAAAAAAAAAAAAAAAAAAAAAAAAAAIQAAABgAAAAUAAAAfAAAAEIFAAB2GwAAkgwAAAAgAAAmAAAACAAAAP//////////"/>
+                <pr:smNativeData xmlns:pr="smNativeData" xmlns="smNativeData" val="SMDATA_15_0rbXYhMAAAAlAAAAEgAAAE8BAAAAkAAAAEgAAACQAAAASAAAAAAAAAAAAAAAAAAAAAEAAABQAAAAAAAAAAAA4D8AAAAAAADgPwAAAAAAAOA/AAAAAAAA4D8AAAAAAADgPwAAAAAAAOA/AAAAAAAA4D8AAAAAAADgPwAAAAAAAOA/AAAAAAAA4D8CAAAAjAAAAAAAAAAAAAAAT4G9DP///wgAAAAAAAAAAAAAAAAAAAAAAAAAAAAAAAAAAAAAZAAAAAEAAABAAAAAAAAAAAAAAAAAAAAAAAAAAAAAAAAAAAAAAAAAAAAAAAAAAAAAAAAAAAAAAAAAAAAAAAAAAAAAAAAAAAAAAAAAAAAAAAAAAAAAAAAAAAAAAAAAAAAAFAAAADwAAAAAAAAAAAAAAAAAAAkUAAAAAQAAABQAAAAUAAAAFAAAAAEAAAAAAAAAZAAAAGQAAAAAAAAAZAAAAGQAAAAVAAAAYAAAAAAAAAAAAAAADwAAACADAAAAAAAAAAAAAAEAAACgMgAAVgcAAKr4//8BAAAAf39/AAEAAABkAAAAAAAAABQAAABAHwAAAAAAACYAAAAAAAAAwOD//wAAAAAmAAAAZAAAABYAAABMAAAAAAAAAAAAAAAEAAAAAAAAAAEAAADu7OEKAAAAACgAAAAoAAAAZAAAAGQAAAAAAAAAzMzMAAAAAABQAAAAUAAAAGQAAABkAAAAAAAAABcAAAAUAAAAAAAAABkMAAD/fwAA/38AAAAAAAAJAAAABAAAAD7o2aweAAAAaAAAAAAAAAAAAAAAAAAAAAAAAAAAAAAAECcAABAnAAAAAAAAAAAAAAAAAAAAAAAAAAAAAAAAAAAAAAAAAAAAABQAAAAAAAAAwMD/AAAAAABkAAAAMgAAAAAAAABkAAAAAAAAAH9/fwAKAAAAIgAAABgAAAAAAAAAAAAAAAAAAAAAAAAAAAAAAAAAAAAkAAAAJAAAAAAAAAAHAAAAAAAAAAAAAAAAAAAAAAAAAAAAAAAAAAAAf39/ACUAAABYAAAAAAAAAAAAAAAAAAAAAAAAAAAAAAAAAAAAAAAAAAAAAAAAAAAAAAAAAAAAAAA/AAAAAAAAAKCGAQAAAAAAAAAAAAAAAAAMAAAAAQAAAAAAAAAAAAAAAAAAAB8AAABUAAAAT4G9Bf///wEAAAAAAAAAAAAAAAAAAAAAAAAAAAAAAAAAAAAAAAAAAAAAAAJ/f38A7uzhA8zMzADAwP8Af39/AAAAAAAAAAAAAAAAAAAAAAAAAAAAIQAAABgAAAAUAAAAfAAAAEIFAAB2GwAAkgwAAAAgAAAmAAAACAAAAP//////////"/>
               </a:ext>
             </a:extLst>
           </p:cNvSpPr>
@@ -8768,7 +8412,7 @@
           <p:cNvSpPr txBox="1">
             <a:extLst>
               <a:ext uri="smNativeData">
-                <pr:smNativeData xmlns:pr="smNativeData" xmlns="smNativeData" val="SMDATA_15_iunWYhMAAAAlAAAAEgAAAE8BAAAAkAAAAEgAAACQAAAASAAAAAAAAAAAAAAAAAAAAAEAAABQAAAAAAAAAAAA4D8AAAAAAADgPwAAAAAAAOA/AAAAAAAA4D8AAAAAAADgPwAAAAAAAOA/AAAAAAAA4D8AAAAAAADgPwAAAAAAAOA/AAAAAAAA4D8CAAAAjAAAAAAAAAAAAAAAT4G9DP///wgAAAAAAAAAAAAAAAAAAAAAAAAAAAAAAAAAAAAAZAAAAAEAAABAAAAAAAAAAAAAAAAAAAAAAAAAAAAAAAAAAAAAAAAAAAAAAAAAAAAAAAAAAAAAAAAAAAAAAAAAAAAAAAAAAAAAAAAAAAAAAAAAAAAAAAAAAAAAAAAAAAAAFAAAADwAAAAAAAAAAAAAAAAAAAkUAAAAAQAAABQAAAAUAAAAFAAAAAEAAAAAAAAAZAAAAGQAAAAAAAAAZAAAAGQAAAAVAAAAYAAAAAAAAAAAAAAADwAAACADAAAAAAAAAAAAAAEAAACgMgAAVgcAAKr4//8BAAAAf39/AAEAAABkAAAAAAAAABQAAABAHwAAAAAAACYAAAAAAAAAwOD//wAAAAAmAAAAZAAAABYAAABMAAAAAAAAAAAAAAAEAAAAAAAAAAEAAADu7OEKAAAAACgAAAAoAAAAZAAAAGQAAAAAAAAAzMzMAAAAAABQAAAAUAAAAGQAAABkAAAAAAAAABcAAAAUAAAAAAAAABkMAAD/fwAA/38AAAAAAAAJAAAABAAAAERBVEEeAAAAaAAAAAAAAAAAAAAAAAAAAAAAAAAAAAAAECcAABAnAAAAAAAAAAAAAAAAAAAAAAAAAAAAAAAAAAAAAAAAAAAAABQAAAAAAAAAwMD/AAAAAABkAAAAMgAAAAAAAABkAAAAAAAAAH9/fwAKAAAAIgAAABgAAAAAAAAAAAAAAAAAAAAAAAAAAAAAAAAAAAAkAAAAJAAAAAAAAAAHAAAAAAAAAAAAAAAAAAAAAAAAAAAAAAAAAAAAf39/ACUAAABYAAAAAAAAAAAAAAAAAAAAAAAAAAAAAAAAAAAAAAAAAAAAAAAAAAAAAAAAAAAAAAA/AAAAAAAAAKCGAQAAAAAAAAAAAAAAAAAMAAAAAQAAAAAAAAAAAAAAAAAAAB8AAABUAAAAT4G9Bf///wEAAAAAAAAAAAAAAAAAAAAAAAAAAAAAAAAAAAAAAAAAAAAAAAJ/f38A7uzhA8zMzADAwP8Af39/AAAAAAAAAAAAAAAAAAAAAAAAAAAAIQAAABgAAAAUAAAAfAAAAOAMAACHGwAAUCcAAAAgAAAmAAAACAAAAP//////////"/>
+                <pr:smNativeData xmlns:pr="smNativeData" xmlns="smNativeData" val="SMDATA_15_0rbXYhMAAAAlAAAAEgAAAE8BAAAAkAAAAEgAAACQAAAASAAAAAAAAAAAAAAAAAAAAAEAAABQAAAAAAAAAAAA4D8AAAAAAADgPwAAAAAAAOA/AAAAAAAA4D8AAAAAAADgPwAAAAAAAOA/AAAAAAAA4D8AAAAAAADgPwAAAAAAAOA/AAAAAAAA4D8CAAAAjAAAAAAAAAAAAAAAT4G9DP///wgAAAAAAAAAAAAAAAAAAAAAAAAAAAAAAAAAAAAAZAAAAAEAAABAAAAAAAAAAAAAAAAAAAAAAAAAAAAAAAAAAAAAAAAAAAAAAAAAAAAAAAAAAAAAAAAAAAAAAAAAAAAAAAAAAAAAAAAAAAAAAAAAAAAAAAAAAAAAAAAAAAAAFAAAADwAAAAAAAAAAAAAAAAAAAkUAAAAAQAAABQAAAAUAAAAFAAAAAEAAAAAAAAAZAAAAGQAAAAAAAAAZAAAAGQAAAAVAAAAYAAAAAAAAAAAAAAADwAAACADAAAAAAAAAAAAAAEAAACgMgAAVgcAAKr4//8BAAAAf39/AAEAAABkAAAAAAAAABQAAABAHwAAAAAAACYAAAAAAAAAwOD//wAAAAAmAAAAZAAAABYAAABMAAAAAAAAAAAAAAAEAAAAAAAAAAEAAADu7OEKAAAAACgAAAAoAAAAZAAAAGQAAAAAAAAAzMzMAAAAAABQAAAAUAAAAGQAAABkAAAAAAAAABcAAAAUAAAAAAAAABkMAAD/fwAA/38AAAAAAAAJAAAABAAAAAAAAAEeAAAAaAAAAAAAAAAAAAAAAAAAAAAAAAAAAAAAECcAABAnAAAAAAAAAAAAAAAAAAAAAAAAAAAAAAAAAAAAAAAAAAAAABQAAAAAAAAAwMD/AAAAAABkAAAAMgAAAAAAAABkAAAAAAAAAH9/fwAKAAAAIgAAABgAAAAAAAAAAAAAAAAAAAAAAAAAAAAAAAAAAAAkAAAAJAAAAAAAAAAHAAAAAAAAAAAAAAAAAAAAAAAAAAAAAAAAAAAAf39/ACUAAABYAAAAAAAAAAAAAAAAAAAAAAAAAAAAAAAAAAAAAAAAAAAAAAAAAAAAAAAAAAAAAAA/AAAAAAAAAKCGAQAAAAAAAAAAAAAAAAAMAAAAAQAAAAAAAAAAAAAAAAAAAB8AAABUAAAAT4G9Bf///wEAAAAAAAAAAAAAAAAAAAAAAAAAAAAAAAAAAAAAAAAAAAAAAAJ/f38A7uzhA8zMzADAwP8Af39/AAAAAAAAAAAAAAAAAAAAAAAAAAAAIQAAABgAAAAUAAAAfAAAAOAMAACHGwAAUCcAAAAgAAAmAAAACAAAAP//////////"/>
               </a:ext>
             </a:extLst>
           </p:cNvSpPr>
@@ -9086,202 +8730,6 @@
             </a:pPr>
             <a:r>
               <a:t>my_model = model(psi)</a:t>
-            </a:r>
-          </a:p>
-        </p:txBody>
-      </p:sp>
-      <p:sp>
-        <p:nvSpPr>
-          <p:cNvPr id="5" name="CadreTexte3"/>
-          <p:cNvSpPr txBox="1">
-            <a:extLst>
-              <a:ext uri="smNativeData">
-                <pr:smNativeData xmlns:pr="smNativeData" xmlns="smNativeData" val="SMDATA_15_iunWYhMAAAAlAAAAEgAAAE8BAAAAkAAAAEgAAACQAAAASAAAAAAAAAAAAAAAAAAAAAEAAABQAAAAAAAAAAAA4D8AAAAAAADgPwAAAAAAAOA/AAAAAAAA4D8AAAAAAADgPwAAAAAAAOA/AAAAAAAA4D8AAAAAAADgPwAAAAAAAOA/AAAAAAAA4D8CAAAAjAAAAAAAAAAAAAAAT4G9DP///wgAAAAAAAAAAAAAAAAAAAAAAAAAAAAAAAAAAAAAZAAAAAEAAABAAAAAAAAAAAAAAAAAAAAAAAAAAAAAAAAAAAAAAAAAAAAAAAAAAAAAAAAAAAAAAAAAAAAAAAAAAAAAAAAAAAAAAAAAAAAAAAAAAAAAAAAAAAAAAAAAAAAAFAAAADwAAAAAAAAAAAAAAAAAAAkUAAAAAQAAABQAAAAUAAAAFAAAAAEAAAAAAAAAZAAAAGQAAAAAAAAAZAAAAGQAAAAVAAAAYAAAAAAAAAAAAAAADwAAACADAAAAAAAAAAAAAAEAAACgMgAAVgcAAKr4//8BAAAAf39/AAEAAABkAAAAAAAAABQAAABAHwAAAAAAACYAAAAAAAAAwOD//wAAAAAmAAAAZAAAABYAAABMAAAAAAAAAAAAAAAEAAAAAAAAAAEAAADu7OEKAAAAACgAAAAoAAAAZAAAAGQAAAAAAAAAzMzMAAAAAABQAAAAUAAAAGQAAABkAAAAAAAAABcAAAAUAAAAAAAAABkMAAD/fwAA/38AAAAAAAAJAAAABAAAACoDAAAeAAAAaAAAAAAAAAAAAAAAAAAAAAAAAAAAAAAAECcAABAnAAAAAAAAAAAAAAAAAAAAAAAAAAAAAAAAAAAAAAAAAAAAABQAAAAAAAAAwMD/AAAAAABkAAAAMgAAAAAAAABkAAAAAAAAAH9/fwAKAAAAIgAAABgAAAAAAAAAAAAAAAAAAAAAAAAAAAAAAAAAAAAkAAAAJAAAAAAAAAAHAAAAAAAAAAAAAAAAAAAAAAAAAAAAAAAAAAAAf39/ACUAAABYAAAAAAAAAAAAAAAAAAAAAAAAAAAAAAAAAAAAAAAAAAAAAAAAAAAAAAAAAAAAAAA/AAAAAAAAAKCGAQAAAAAAAAAAAAAAAAAMAAAAAQAAAAAAAAAAAAAAAAAAAB8AAABUAAAAT4G9Bf///wEAAAAAAAAAAAAAAAAAAAAAAAAAAAAAAAAAAAAAAAAAAAAAAAJ/f38A7uzhA8zMzADAwP8Af39/AAAAAAAAAAAAAAAAAAAAAAAAAAAAIQAAABgAAAAUAAAAwRwAAEoFAABoNwAAmhUAAAAgAAAmAAAACAAAAP//////////"/>
-              </a:ext>
-            </a:extLst>
-          </p:cNvSpPr>
-          <p:nvPr/>
-        </p:nvSpPr>
-        <p:spPr>
-          <a:xfrm>
-            <a:off x="4674235" y="859790"/>
-            <a:ext cx="4332605" cy="2651760"/>
-          </a:xfrm>
-          <a:prstGeom prst="rect">
-            <a:avLst/>
-          </a:prstGeom>
-          <a:noFill/>
-          <a:ln>
-            <a:noFill/>
-          </a:ln>
-          <a:effectLst/>
-        </p:spPr>
-        <p:txBody>
-          <a:bodyPr vert="horz" wrap="square" numCol="1" spcCol="215900" anchor="t"/>
-          <a:lstStyle/>
-          <a:p>
-            <a:pPr>
-              <a:defRPr lang="fr-fr" sz="1200" cap="none">
-                <a:solidFill>
-                  <a:schemeClr val="accent4"/>
-                </a:solidFill>
-                <a:latin typeface="Courier 10 Pitch" pitchFamily="1" charset="0"/>
-                <a:ea typeface="Courier 10 Pitch" pitchFamily="1" charset="0"/>
-                <a:cs typeface="Courier 10 Pitch" pitchFamily="1" charset="0"/>
-              </a:defRPr>
-            </a:pPr>
-            <a:r>
-              <a:t>#########</a:t>
-            </a:r>
-          </a:p>
-          <a:p>
-            <a:pPr>
-              <a:defRPr lang="fr-fr" sz="1200" cap="none">
-                <a:solidFill>
-                  <a:schemeClr val="accent4"/>
-                </a:solidFill>
-                <a:latin typeface="Courier 10 Pitch" pitchFamily="1" charset="0"/>
-                <a:ea typeface="Courier 10 Pitch" pitchFamily="1" charset="0"/>
-                <a:cs typeface="Courier 10 Pitch" pitchFamily="1" charset="0"/>
-              </a:defRPr>
-            </a:pPr>
-            <a:r>
-              <a:t># Moves #</a:t>
-            </a:r>
-          </a:p>
-          <a:p>
-            <a:pPr>
-              <a:defRPr lang="fr-fr" sz="1200" cap="none">
-                <a:solidFill>
-                  <a:schemeClr val="accent4"/>
-                </a:solidFill>
-                <a:latin typeface="Courier 10 Pitch" pitchFamily="1" charset="0"/>
-                <a:ea typeface="Courier 10 Pitch" pitchFamily="1" charset="0"/>
-                <a:cs typeface="Courier 10 Pitch" pitchFamily="1" charset="0"/>
-              </a:defRPr>
-            </a:pPr>
-            <a:r>
-              <a:t>#########</a:t>
-            </a:r>
-          </a:p>
-          <a:p>
-            <a:pPr>
-              <a:defRPr lang="fr-fr" sz="1200" cap="none">
-                <a:solidFill>
-                  <a:schemeClr val="accent4"/>
-                </a:solidFill>
-                <a:latin typeface="Courier 10 Pitch" pitchFamily="1" charset="0"/>
-                <a:ea typeface="Courier 10 Pitch" pitchFamily="1" charset="0"/>
-                <a:cs typeface="Courier 10 Pitch" pitchFamily="1" charset="0"/>
-              </a:defRPr>
-            </a:pPr>
-            <a:r>
-              <a:t># We create a vector of moves to store them all:</a:t>
-            </a:r>
-          </a:p>
-          <a:p>
-            <a:pPr>
-              <a:defRPr lang="fr-fr" sz="1200" cap="none">
-                <a:solidFill>
-                  <a:srgbClr val="000000"/>
-                </a:solidFill>
-                <a:latin typeface="Courier 10 Pitch" pitchFamily="1" charset="0"/>
-                <a:ea typeface="Courier 10 Pitch" pitchFamily="1" charset="0"/>
-                <a:cs typeface="Courier 10 Pitch" pitchFamily="1" charset="0"/>
-              </a:defRPr>
-            </a:pPr>
-            <a:r>
-              <a:t>moves = VectorMoves()</a:t>
-            </a:r>
-          </a:p>
-          <a:p>
-            <a:pPr>
-              <a:defRPr lang="fr-fr" sz="1200" cap="none">
-                <a:solidFill>
-                  <a:schemeClr val="accent4"/>
-                </a:solidFill>
-                <a:latin typeface="Courier 10 Pitch" pitchFamily="1" charset="0"/>
-                <a:ea typeface="Courier 10 Pitch" pitchFamily="1" charset="0"/>
-                <a:cs typeface="Courier 10 Pitch" pitchFamily="1" charset="0"/>
-              </a:defRPr>
-            </a:pPr>
-            <a:r>
-              <a:t># Move on the topology</a:t>
-            </a:r>
-          </a:p>
-          <a:p>
-            <a:pPr>
-              <a:defRPr lang="fr-fr" sz="1200" cap="none">
-                <a:solidFill>
-                  <a:srgbClr val="000000"/>
-                </a:solidFill>
-                <a:latin typeface="Courier 10 Pitch" pitchFamily="1" charset="0"/>
-                <a:ea typeface="Courier 10 Pitch" pitchFamily="1" charset="0"/>
-                <a:cs typeface="Courier 10 Pitch" pitchFamily="1" charset="0"/>
-              </a:defRPr>
-            </a:pPr>
-            <a:r>
-              <a:t>moves.append(mvNNI(topology, weight=10.0))</a:t>
-            </a:r>
-          </a:p>
-          <a:p>
-            <a:pPr>
-              <a:defRPr lang="fr-fr" sz="1200" cap="none">
-                <a:solidFill>
-                  <a:schemeClr val="accent4"/>
-                </a:solidFill>
-                <a:latin typeface="Courier 10 Pitch" pitchFamily="1" charset="0"/>
-                <a:ea typeface="Courier 10 Pitch" pitchFamily="1" charset="0"/>
-                <a:cs typeface="Courier 10 Pitch" pitchFamily="1" charset="0"/>
-              </a:defRPr>
-            </a:pPr>
-            <a:r>
-              <a:t># We define moves on the branch lengths, one for each branch.</a:t>
-            </a:r>
-          </a:p>
-          <a:p>
-            <a:pPr>
-              <a:defRPr lang="fr-fr" sz="1200" cap="none">
-                <a:solidFill>
-                  <a:srgbClr val="000000"/>
-                </a:solidFill>
-                <a:latin typeface="Courier 10 Pitch" pitchFamily="1" charset="0"/>
-                <a:ea typeface="Courier 10 Pitch" pitchFamily="1" charset="0"/>
-                <a:cs typeface="Courier 10 Pitch" pitchFamily="1" charset="0"/>
-              </a:defRPr>
-            </a:pPr>
-            <a:r>
-              <a:t>for (i in 1:n_branches) {</a:t>
-            </a:r>
-          </a:p>
-          <a:p>
-            <a:pPr>
-              <a:defRPr lang="fr-fr" sz="1200" cap="none">
-                <a:solidFill>
-                  <a:srgbClr val="000000"/>
-                </a:solidFill>
-                <a:latin typeface="Courier 10 Pitch" pitchFamily="1" charset="0"/>
-                <a:ea typeface="Courier 10 Pitch" pitchFamily="1" charset="0"/>
-                <a:cs typeface="Courier 10 Pitch" pitchFamily="1" charset="0"/>
-              </a:defRPr>
-            </a:pPr>
-            <a:r>
-              <a:t>   moves.append(mvScaleBactrian(bls[i], tune=TRUE))</a:t>
-            </a:r>
-          </a:p>
-          <a:p>
-            <a:pPr>
-              <a:defRPr lang="fr-fr" sz="1200" cap="none">
-                <a:solidFill>
-                  <a:srgbClr val="000000"/>
-                </a:solidFill>
-                <a:latin typeface="Courier 10 Pitch" pitchFamily="1" charset="0"/>
-                <a:ea typeface="Courier 10 Pitch" pitchFamily="1" charset="0"/>
-                <a:cs typeface="Courier 10 Pitch" pitchFamily="1" charset="0"/>
-              </a:defRPr>
-            </a:pPr>
-            <a:r>
-              <a:t>}</a:t>
             </a:r>
           </a:p>
         </p:txBody>
@@ -9325,7 +8773,7 @@
             <a:spLocks noGrp="1" noChangeArrowheads="1"/>
             <a:extLst>
               <a:ext uri="smNativeData">
-                <pr:smNativeData xmlns:pr="smNativeData" xmlns="smNativeData" val="SMDATA_15_iunWYhMAAAAlAAAAZAAAAA0AAAAAkAAAAEgAAACQAAAASAAAAAAAAAABAAAAAAAAAAEAAABQAAAAAAAAAAAA4D8AAAAAAADgPwAAAAAAAOA/AAAAAAAA4D8AAAAAAADgPwAAAAAAAOA/AAAAAAAA4D8AAAAAAADgPwAAAAAAAOA/AAAAAAAA4D8CAAAAjAAAAAAAAAAAAAAAT4G9DP///wgAAAAAAAAAAAAAAAAAAAAAAAAAAAAAAAAAAAAAZAAAAAEAAABAAAAAAAAAAAAAAAAAAAAAAAAAAAAAAAAAAAAAAAAAAAAAAAAAAAAAAAAAAAAAAAAAAAAAAAAAAAAAAAAAAAAAAAAAAAAAAAAAAAAAAAAAAAAAAAAAAAAAFAAAADwAAAAAAAAAAAAAAAAAAAkUAAAAAQAAABQAAAAUAAAAFAAAAAEAAAAAAAAAZAAAAGQAAAAAAAAAZAAAAGQAAAAVAAAAYAAAAAAAAAAAAAAADwAAACADAAAAAAAAAAAAAAEAAACgMgAAVgcAAKr4//8BAAAAf39/AAEAAABkAAAAAAAAABQAAABAHwAAAAAAACYAAAAAAAAAwOD//wAAAAAmAAAAZAAAABYAAABMAAAAAAAAAAAAAAAEAAAAAAAAAAEAAADu7OEKAAAAACgAAAAoAAAAZAAAAGQAAAAAAAAAzMzMAAAAAABQAAAAUAAAAGQAAABkAAAAAAAAABcAAAAUAAAAAAAAAAAAAAD/fwAA/38AAAAAAAAJAAAABAAAAAAAAAEeAAAAaAAAAAAAAAAAAAAAAAAAAAAAAAAAAAAAECcAABAnAAAAAAAAAAAAAAAAAAAAAAAAAAAAAAAAAAAAAAAAAAAAABQAAAAAAAAAwMD/AAAAAABkAAAAMgAAAAAAAABkAAAAAAAAAH9/fwAKAAAAIgAAABgAAAAAAAAAAAAAAAAAAAAAAAAAAAAAAAAAAAAkAAAAJAAAAAAAAAAHAAAAAAAAAAAAAAAAAAAAAAAAAAAAAAAAAAAAf39/ACUAAABYAAAAAAAAAAAAAAAAAAAAAAAAAAAAAAAAAAAAAAAAAAAAAAAAAAAAAAAAAAAAAAA/AAAAAAAAAKCGAQAAAAAAAAAAAAAAAAAMAAAAAQAAAAAAAAAAAAAAAAAAAB8AAABUAAAAT4G9Bf///wEAAAAAAAAAAAAAAAAAAAAAAAAAAAAAAAAAAAAAAAAAAAAAAAJ/f38A7uzhA8zMzADAwP8Af39/AAAAAAAAAAAAAAAAAAAAAAAAAAAAIQAAABgAAAAUAAAA0AIAALcAAABwNQAA1gMAAAAAAAAmAAAACAAAAAEAAAAAAAAA"/>
+                <pr:smNativeData xmlns:pr="smNativeData" xmlns="smNativeData" val="SMDATA_15_0rbXYhMAAAAlAAAAZAAAAA0AAAAAkAAAAEgAAACQAAAASAAAAAAAAAABAAAAAAAAAAEAAABQAAAAAAAAAAAA4D8AAAAAAADgPwAAAAAAAOA/AAAAAAAA4D8AAAAAAADgPwAAAAAAAOA/AAAAAAAA4D8AAAAAAADgPwAAAAAAAOA/AAAAAAAA4D8CAAAAjAAAAAAAAAAAAAAAT4G9DP///wgAAAAAAAAAAAAAAAAAAAAAAAAAAAAAAAAAAAAAZAAAAAEAAABAAAAAAAAAAAAAAAAAAAAAAAAAAAAAAAAAAAAAAAAAAAAAAAAAAAAAAAAAAAAAAAAAAAAAAAAAAAAAAAAAAAAAAAAAAAAAAAAAAAAAAAAAAAAAAAAAAAAAFAAAADwAAAAAAAAAAAAAAAAAAAkUAAAAAQAAABQAAAAUAAAAFAAAAAEAAAAAAAAAZAAAAGQAAAAAAAAAZAAAAGQAAAAVAAAAYAAAAAAAAAAAAAAADwAAACADAAAAAAAAAAAAAAEAAACgMgAAVgcAAKr4//8BAAAAf39/AAEAAABkAAAAAAAAABQAAABAHwAAAAAAACYAAAAAAAAAwOD//wAAAAAmAAAAZAAAABYAAABMAAAAAAAAAAAAAAAEAAAAAAAAAAEAAADu7OEKAAAAACgAAAAoAAAAZAAAAGQAAAAAAAAAzMzMAAAAAABQAAAAUAAAAGQAAABkAAAAAAAAABcAAAAUAAAAAAAAAAAAAAD/fwAA/38AAAAAAAAJAAAABAAAAAAAAAEeAAAAaAAAAAAAAAAAAAAAAAAAAAAAAAAAAAAAECcAABAnAAAAAAAAAAAAAAAAAAAAAAAAAAAAAAAAAAAAAAAAAAAAABQAAAAAAAAAwMD/AAAAAABkAAAAMgAAAAAAAABkAAAAAAAAAH9/fwAKAAAAIgAAABgAAAAAAAAAAAAAAAAAAAAAAAAAAAAAAAAAAAAkAAAAJAAAAAAAAAAHAAAAAAAAAAAAAAAAAAAAAAAAAAAAAAAAAAAAf39/ACUAAABYAAAAAAAAAAAAAAAAAAAAAAAAAAAAAAAAAAAAAAAAAAAAAAAAAAAAAAAAAAAAAAA/AAAAAAAAAKCGAQAAAAAAAAAAAAAAAAAMAAAAAQAAAAAAAAAAAAAAAAAAAB8AAABUAAAAT4G9Bf///wEAAAAAAAAAAAAAAAAAAAAAAAAAAAAAAAAAAAAAAAAAAAAAAAJ/f38A7uzhA8zMzADAwP8Af39/AAAAAAAAAAAAAAAAAAAAAAAAAAAAIQAAABgAAAAUAAAA0AIAALcAAABwNQAA1gMAAAAAAAAmAAAACAAAAAEAAAAAAAAA"/>
               </a:ext>
             </a:extLst>
           </p:cNvSpPr>
@@ -9358,7 +8806,7 @@
           <p:cNvSpPr txBox="1">
             <a:extLst>
               <a:ext uri="smNativeData">
-                <pr:smNativeData xmlns:pr="smNativeData" xmlns="smNativeData" val="SMDATA_15_iunWYhMAAAAlAAAAEgAAAE8BAAAAkAAAAEgAAACQAAAASAAAAAAAAAAAAAAAAAAAAAEAAABQAAAAAAAAAAAA4D8AAAAAAADgPwAAAAAAAOA/AAAAAAAA4D8AAAAAAADgPwAAAAAAAOA/AAAAAAAA4D8AAAAAAADgPwAAAAAAAOA/AAAAAAAA4D8CAAAAjAAAAAAAAAAAAAAAT4G9DP///wgAAAAAAAAAAAAAAAAAAAAAAAAAAAAAAAAAAAAAZAAAAAEAAABAAAAAAAAAAAAAAAAAAAAAAAAAAAAAAAAAAAAAAAAAAAAAAAAAAAAAAAAAAAAAAAAAAAAAAAAAAAAAAAAAAAAAAAAAAAAAAAAAAAAAAAAAAAAAAAAAAAAAFAAAADwAAAAAAAAAAAAAAAAAAAkUAAAAAQAAABQAAAAUAAAAFAAAAAEAAAAAAAAAZAAAAGQAAAAAAAAAZAAAAGQAAAAVAAAAYAAAAAAAAAAAAAAADwAAACADAAAAAAAAAAAAAAEAAACgMgAAVgcAAKr4//8BAAAAf39/AAEAAABkAAAAAAAAABQAAABAHwAAAAAAACYAAAAAAAAAwOD//wAAAAAmAAAAZAAAABYAAABMAAAAAAAAAAAAAAAEAAAAAAAAAAEAAADu7OEKAAAAACgAAAAoAAAAZAAAAGQAAAAAAAAAzMzMAAAAAABQAAAAUAAAAGQAAABkAAAAAAAAABcAAAAUAAAAAAAAABkMAAD/fwAA/38AAAAAAAAJAAAABAAAAD7o2aweAAAAaAAAAAAAAAAAAAAAAAAAAAAAAAAAAAAAECcAABAnAAAAAAAAAAAAAAAAAAAAAAAAAAAAAAAAAAAAAAAAAAAAABQAAAAAAAAAwMD/AAAAAABkAAAAMgAAAAAAAABkAAAAAAAAAH9/fwAKAAAAIgAAABgAAAAAAAAAAAAAAAAAAAAAAAAAAAAAAAAAAAAkAAAAJAAAAAAAAAAHAAAAAAAAAAAAAAAAAAAAAAAAAAAAAAAAAAAAf39/ACUAAABYAAAAAAAAAAAAAAAAAAAAAAAAAAAAAAAAAAAAAAAAAAAAAAAAAAAAAAAAAAAAAAA/AAAAAAAAAKCGAQAAAAAAAAAAAAAAAAAMAAAAAQAAAAAAAAAAAAAAAAAAAB8AAABUAAAAT4G9Bf///wEAAAAAAAAAAAAAAAAAAAAAAAAAAAAAAAAAAAAAAAAAAAAAAAJ/f38A7uzhA8zMzADAwP8Af39/AAAAAAAAAAAAAAAAAAAAAAAAAAAAIQAAABgAAAAUAAAAfAAAAEIFAAB2GwAAkgwAAAAgAAAmAAAACAAAAP//////////"/>
+                <pr:smNativeData xmlns:pr="smNativeData" xmlns="smNativeData" val="SMDATA_15_0rbXYhMAAAAlAAAAEgAAAE8BAAAAkAAAAEgAAACQAAAASAAAAAAAAAAAAAAAAAAAAAEAAABQAAAAAAAAAAAA4D8AAAAAAADgPwAAAAAAAOA/AAAAAAAA4D8AAAAAAADgPwAAAAAAAOA/AAAAAAAA4D8AAAAAAADgPwAAAAAAAOA/AAAAAAAA4D8CAAAAjAAAAAAAAAAAAAAAT4G9DP///wgAAAAAAAAAAAAAAAAAAAAAAAAAAAAAAAAAAAAAZAAAAAEAAABAAAAAAAAAAAAAAAAAAAAAAAAAAAAAAAAAAAAAAAAAAAAAAAAAAAAAAAAAAAAAAAAAAAAAAAAAAAAAAAAAAAAAAAAAAAAAAAAAAAAAAAAAAAAAAAAAAAAAFAAAADwAAAAAAAAAAAAAAAAAAAkUAAAAAQAAABQAAAAUAAAAFAAAAAEAAAAAAAAAZAAAAGQAAAAAAAAAZAAAAGQAAAAVAAAAYAAAAAAAAAAAAAAADwAAACADAAAAAAAAAAAAAAEAAACgMgAAVgcAAKr4//8BAAAAf39/AAEAAABkAAAAAAAAABQAAABAHwAAAAAAACYAAAAAAAAAwOD//wAAAAAmAAAAZAAAABYAAABMAAAAAAAAAAAAAAAEAAAAAAAAAAEAAADu7OEKAAAAACgAAAAoAAAAZAAAAGQAAAAAAAAAzMzMAAAAAABQAAAAUAAAAGQAAABkAAAAAAAAABcAAAAUAAAAAAAAABkMAAD/fwAA/38AAAAAAAAJAAAABAAAAAAAAAAeAAAAaAAAAAAAAAAAAAAAAAAAAAAAAAAAAAAAECcAABAnAAAAAAAAAAAAAAAAAAAAAAAAAAAAAAAAAAAAAAAAAAAAABQAAAAAAAAAwMD/AAAAAABkAAAAMgAAAAAAAABkAAAAAAAAAH9/fwAKAAAAIgAAABgAAAAAAAAAAAAAAAAAAAAAAAAAAAAAAAAAAAAkAAAAJAAAAAAAAAAHAAAAAAAAAAAAAAAAAAAAAAAAAAAAAAAAAAAAf39/ACUAAABYAAAAAAAAAAAAAAAAAAAAAAAAAAAAAAAAAAAAAAAAAAAAAAAAAAAAAAAAAAAAAAA/AAAAAAAAAKCGAQAAAAAAAAAAAAAAAAAMAAAAAQAAAAAAAAAAAAAAAAAAAB8AAABUAAAAT4G9Bf///wEAAAAAAAAAAAAAAAAAAAAAAAAAAAAAAAAAAAAAAAAAAAAAAAJ/f38A7uzhA8zMzADAwP8Af39/AAAAAAAAAAAAAAAAAAAAAAAAAAAAIQAAABgAAAAUAAAAfAAAAEIFAAB2GwAAkgwAAAAgAAAmAAAACAAAAP//////////"/>
               </a:ext>
             </a:extLst>
           </p:cNvSpPr>
@@ -9479,7 +8927,7 @@
           <p:cNvSpPr txBox="1">
             <a:extLst>
               <a:ext uri="smNativeData">
-                <pr:smNativeData xmlns:pr="smNativeData" xmlns="smNativeData" val="SMDATA_15_iunWYhMAAAAlAAAAEgAAAE8BAAAAkAAAAEgAAACQAAAASAAAAAAAAAAAAAAAAAAAAAEAAABQAAAAAAAAAAAA4D8AAAAAAADgPwAAAAAAAOA/AAAAAAAA4D8AAAAAAADgPwAAAAAAAOA/AAAAAAAA4D8AAAAAAADgPwAAAAAAAOA/AAAAAAAA4D8CAAAAjAAAAAAAAAAAAAAAT4G9DP///wgAAAAAAAAAAAAAAAAAAAAAAAAAAAAAAAAAAAAAZAAAAAEAAABAAAAAAAAAAAAAAAAAAAAAAAAAAAAAAAAAAAAAAAAAAAAAAAAAAAAAAAAAAAAAAAAAAAAAAAAAAAAAAAAAAAAAAAAAAAAAAAAAAAAAAAAAAAAAAAAAAAAAFAAAADwAAAAAAAAAAAAAAAAAAAkUAAAAAQAAABQAAAAUAAAAFAAAAAEAAAAAAAAAZAAAAGQAAAAAAAAAZAAAAGQAAAAVAAAAYAAAAAAAAAAAAAAADwAAACADAAAAAAAAAAAAAAEAAACgMgAAVgcAAKr4//8BAAAAf39/AAEAAABkAAAAAAAAABQAAABAHwAAAAAAACYAAAAAAAAAwOD//wAAAAAmAAAAZAAAABYAAABMAAAAAAAAAAAAAAAEAAAAAAAAAAEAAADu7OEKAAAAACgAAAAoAAAAZAAAAGQAAAAAAAAAzMzMAAAAAABQAAAAUAAAAGQAAABkAAAAAAAAABcAAAAUAAAAAAAAABkMAAD/fwAA/38AAAAAAAAJAAAABAAAAAAAAAAeAAAAaAAAAAAAAAAAAAAAAAAAAAAAAAAAAAAAECcAABAnAAAAAAAAAAAAAAAAAAAAAAAAAAAAAAAAAAAAAAAAAAAAABQAAAAAAAAAwMD/AAAAAABkAAAAMgAAAAAAAABkAAAAAAAAAH9/fwAKAAAAIgAAABgAAAAAAAAAAAAAAAAAAAAAAAAAAAAAAAAAAAAkAAAAJAAAAAAAAAAHAAAAAAAAAAAAAAAAAAAAAAAAAAAAAAAAAAAAf39/ACUAAABYAAAAAAAAAAAAAAAAAAAAAAAAAAAAAAAAAAAAAAAAAAAAAAAAAAAAAAAAAAAAAAA/AAAAAAAAAKCGAQAAAAAAAAAAAAAAAAAMAAAAAQAAAAAAAAAAAAAAAAAAAB8AAABUAAAAT4G9Bf///wEAAAAAAAAAAAAAAAAAAAAAAAAAAAAAAAAAAAAAAAAAAAAAAAJ/f38A7uzhA8zMzADAwP8Af39/AAAAAAAAAAAAAAAAAAAAAAAAAAAAIQAAABgAAAAUAAAAfAAAAOAMAACHGwAAUCcAAAAgAAAmAAAACAAAAP//////////"/>
+                <pr:smNativeData xmlns:pr="smNativeData" xmlns="smNativeData" val="SMDATA_15_0rbXYhMAAAAlAAAAEgAAAE8BAAAAkAAAAEgAAACQAAAASAAAAAAAAAAAAAAAAAAAAAEAAABQAAAAAAAAAAAA4D8AAAAAAADgPwAAAAAAAOA/AAAAAAAA4D8AAAAAAADgPwAAAAAAAOA/AAAAAAAA4D8AAAAAAADgPwAAAAAAAOA/AAAAAAAA4D8CAAAAjAAAAAAAAAAAAAAAT4G9DP///wgAAAAAAAAAAAAAAAAAAAAAAAAAAAAAAAAAAAAAZAAAAAEAAABAAAAAAAAAAAAAAAAAAAAAAAAAAAAAAAAAAAAAAAAAAAAAAAAAAAAAAAAAAAAAAAAAAAAAAAAAAAAAAAAAAAAAAAAAAAAAAAAAAAAAAAAAAAAAAAAAAAAAFAAAADwAAAAAAAAAAAAAAAAAAAkUAAAAAQAAABQAAAAUAAAAFAAAAAEAAAAAAAAAZAAAAGQAAAAAAAAAZAAAAGQAAAAVAAAAYAAAAAAAAAAAAAAADwAAACADAAAAAAAAAAAAAAEAAACgMgAAVgcAAKr4//8BAAAAf39/AAEAAABkAAAAAAAAABQAAABAHwAAAAAAACYAAAAAAAAAwOD//wAAAAAmAAAAZAAAABYAAABMAAAAAAAAAAAAAAAEAAAAAAAAAAEAAADu7OEKAAAAACgAAAAoAAAAZAAAAGQAAAAAAAAAzMzMAAAAAABQAAAAUAAAAGQAAABkAAAAAAAAABcAAAAUAAAAAAAAABkMAAD/fwAA/38AAAAAAAAJAAAABAAAAERBVEEeAAAAaAAAAAAAAAAAAAAAAAAAAAAAAAAAAAAAECcAABAnAAAAAAAAAAAAAAAAAAAAAAAAAAAAAAAAAAAAAAAAAAAAABQAAAAAAAAAwMD/AAAAAABkAAAAMgAAAAAAAABkAAAAAAAAAH9/fwAKAAAAIgAAABgAAAAAAAAAAAAAAAAAAAAAAAAAAAAAAAAAAAAkAAAAJAAAAAAAAAAHAAAAAAAAAAAAAAAAAAAAAAAAAAAAAAAAAAAAf39/ACUAAABYAAAAAAAAAAAAAAAAAAAAAAAAAAAAAAAAAAAAAAAAAAAAAAAAAAAAAAAAAAAAAAA/AAAAAAAAAKCGAQAAAAAAAAAAAAAAAAAMAAAAAQAAAAAAAAAAAAAAAAAAAB8AAABUAAAAT4G9Bf///wEAAAAAAAAAAAAAAAAAAAAAAAAAAAAAAAAAAAAAAAAAAAAAAAJ/f38A7uzhA8zMzADAwP8Af39/AAAAAAAAAAAAAAAAAAAAAAAAAAAAIQAAABgAAAAUAAAAfAAAAOAMAACHGwAAUCcAAAAgAAAmAAAACAAAAP//////////"/>
               </a:ext>
             </a:extLst>
           </p:cNvSpPr>
@@ -9807,7 +9255,7 @@
           <p:cNvSpPr txBox="1">
             <a:extLst>
               <a:ext uri="smNativeData">
-                <pr:smNativeData xmlns:pr="smNativeData" xmlns="smNativeData" val="SMDATA_15_iunWYhMAAAAlAAAAEgAAAE8BAAAAkAAAAEgAAACQAAAASAAAAAAAAAAAAAAAAAAAAAEAAABQAAAAAAAAAAAA4D8AAAAAAADgPwAAAAAAAOA/AAAAAAAA4D8AAAAAAADgPwAAAAAAAOA/AAAAAAAA4D8AAAAAAADgPwAAAAAAAOA/AAAAAAAA4D8CAAAAjAAAAAAAAAAAAAAAT4G9DP///wgAAAAAAAAAAAAAAAAAAAAAAAAAAAAAAAAAAAAAZAAAAAEAAABAAAAAAAAAAAAAAAAAAAAAAAAAAAAAAAAAAAAAAAAAAAAAAAAAAAAAAAAAAAAAAAAAAAAAAAAAAAAAAAAAAAAAAAAAAAAAAAAAAAAAAAAAAAAAAAAAAAAAFAAAADwAAAAAAAAAAAAAAAAAAAkUAAAAAQAAABQAAAAUAAAAFAAAAAEAAAAAAAAAZAAAAGQAAAAAAAAAZAAAAGQAAAAVAAAAYAAAAAAAAAAAAAAADwAAACADAAAAAAAAAAAAAAEAAACgMgAAVgcAAKr4//8BAAAAf39/AAEAAABkAAAAAAAAABQAAABAHwAAAAAAACYAAAAAAAAAwOD//wAAAAAmAAAAZAAAABYAAABMAAAAAAAAAAAAAAAEAAAAAAAAAAEAAADu7OEKAAAAACgAAAAoAAAAZAAAAGQAAAAAAAAAzMzMAAAAAABQAAAAUAAAAGQAAABkAAAAAAAAABcAAAAUAAAAAAAAABkMAAD/fwAA/38AAAAAAAAJAAAABAAAAAAAAAAeAAAAaAAAAAAAAAAAAAAAAAAAAAAAAAAAAAAAECcAABAnAAAAAAAAAAAAAAAAAAAAAAAAAAAAAAAAAAAAAAAAAAAAABQAAAAAAAAAwMD/AAAAAABkAAAAMgAAAAAAAABkAAAAAAAAAH9/fwAKAAAAIgAAABgAAAAAAAAAAAAAAAAAAAAAAAAAAAAAAAAAAAAkAAAAJAAAAAAAAAAHAAAAAAAAAAAAAAAAAAAAAAAAAAAAAAAAAAAAf39/ACUAAABYAAAAAAAAAAAAAAAAAAAAAAAAAAAAAAAAAAAAAAAAAAAAAAAAAAAAAAAAAAAAAAA/AAAAAAAAAKCGAQAAAAAAAAAAAAAAAAAMAAAAAQAAAAAAAAAAAAAAAAAAAB8AAABUAAAAT4G9Bf///wEAAAAAAAAAAAAAAAAAAAAAAAAAAAAAAAAAAAAAAAAAAAAAAAJ/f38A7uzhA8zMzADAwP8Af39/AAAAAAAAAAAAAAAAAAAAAAAAAAAAIQAAABgAAAAUAAAAwRwAAEoFAABoNwAAmhUAAAAgAAAmAAAACAAAAP//////////"/>
+                <pr:smNativeData xmlns:pr="smNativeData" xmlns="smNativeData" val="SMDATA_15_0rbXYhMAAAAlAAAAEgAAAE8BAAAAkAAAAEgAAACQAAAASAAAAAAAAAAAAAAAAAAAAAEAAABQAAAAAAAAAAAA4D8AAAAAAADgPwAAAAAAAOA/AAAAAAAA4D8AAAAAAADgPwAAAAAAAOA/AAAAAAAA4D8AAAAAAADgPwAAAAAAAOA/AAAAAAAA4D8CAAAAjAAAAAAAAAAAAAAAT4G9DP///wgAAAAAAAAAAAAAAAAAAAAAAAAAAAAAAAAAAAAAZAAAAAEAAABAAAAAAAAAAAAAAAAAAAAAAAAAAAAAAAAAAAAAAAAAAAAAAAAAAAAAAAAAAAAAAAAAAAAAAAAAAAAAAAAAAAAAAAAAAAAAAAAAAAAAAAAAAAAAAAAAAAAAFAAAADwAAAAAAAAAAAAAAAAAAAkUAAAAAQAAABQAAAAUAAAAFAAAAAEAAAAAAAAAZAAAAGQAAAAAAAAAZAAAAGQAAAAVAAAAYAAAAAAAAAAAAAAADwAAACADAAAAAAAAAAAAAAEAAACgMgAAVgcAAKr4//8BAAAAf39/AAEAAABkAAAAAAAAABQAAABAHwAAAAAAACYAAAAAAAAAwOD//wAAAAAmAAAAZAAAABYAAABMAAAAAAAAAAAAAAAEAAAAAAAAAAEAAADu7OEKAAAAACgAAAAoAAAAZAAAAGQAAAAAAAAAzMzMAAAAAABQAAAAUAAAAGQAAABkAAAAAAAAABcAAAAUAAAAAAAAABkMAAD/fwAA/38AAAAAAAAJAAAABAAAACoDAAAeAAAAaAAAAAAAAAAAAAAAAAAAAAAAAAAAAAAAECcAABAnAAAAAAAAAAAAAAAAAAAAAAAAAAAAAAAAAAAAAAAAAAAAABQAAAAAAAAAwMD/AAAAAABkAAAAMgAAAAAAAABkAAAAAAAAAH9/fwAKAAAAIgAAABgAAAAAAAAAAAAAAAAAAAAAAAAAAAAAAAAAAAAkAAAAJAAAAAAAAAAHAAAAAAAAAAAAAAAAAAAAAAAAAAAAAAAAAAAAf39/ACUAAABYAAAAAAAAAAAAAAAAAAAAAAAAAAAAAAAAAAAAAAAAAAAAAAAAAAAAAAAAAAAAAAA/AAAAAAAAAKCGAQAAAAAAAAAAAAAAAAAMAAAAAQAAAAAAAAAAAAAAAAAAAB8AAABUAAAAT4G9Bf///wEAAAAAAAAAAAAAAAAAAAAAAAAAAAAAAAAAAAAAAAAAAAAAAAJ/f38A7uzhA8zMzADAwP8Af39/AAAAAAAAAAAAAAAAAAAAAAAAAAAAIQAAABgAAAAUAAAAwRwAAEoFAABoNwAAmhUAAAAgAAAmAAAACAAAAP//////////"/>
               </a:ext>
             </a:extLst>
           </p:cNvSpPr>
@@ -9994,199 +9442,6 @@
             <a:r>
               <a:t>}</a:t>
             </a:r>
-          </a:p>
-        </p:txBody>
-      </p:sp>
-      <p:sp>
-        <p:nvSpPr>
-          <p:cNvPr id="6" name="CadreTexte4"/>
-          <p:cNvSpPr txBox="1">
-            <a:extLst>
-              <a:ext uri="smNativeData">
-                <pr:smNativeData xmlns:pr="smNativeData" xmlns="smNativeData" val="SMDATA_15_iunWYhMAAAAlAAAAEgAAAE8BAAAAkAAAAEgAAACQAAAASAAAAAAAAAAAAAAAAAAAAAEAAABQAAAAAAAAAAAA4D8AAAAAAADgPwAAAAAAAOA/AAAAAAAA4D8AAAAAAADgPwAAAAAAAOA/AAAAAAAA4D8AAAAAAADgPwAAAAAAAOA/AAAAAAAA4D8CAAAAjAAAAAAAAAAAAAAAT4G9DP///wgAAAAAAAAAAAAAAAAAAAAAAAAAAAAAAAAAAAAAZAAAAAEAAABAAAAAAAAAAAAAAAAAAAAAAAAAAAAAAAAAAAAAAAAAAAAAAAAAAAAAAAAAAAAAAAAAAAAAAAAAAAAAAAAAAAAAAAAAAAAAAAAAAAAAAAAAAAAAAAAAAAAAFAAAADwAAAAAAAAAAAAAAAAAAAkUAAAAAQAAABQAAAAUAAAAFAAAAAEAAAAAAAAAZAAAAGQAAAAAAAAAZAAAAGQAAAAVAAAAYAAAAAAAAAAAAAAADwAAACADAAAAAAAAAAAAAAEAAACgMgAAVgcAAKr4//8BAAAAf39/AAEAAABkAAAAAAAAABQAAABAHwAAAAAAACYAAAAAAAAAwOD//wAAAAAmAAAAZAAAABYAAABMAAAAAAAAAAAAAAAEAAAAAAAAAAEAAADu7OEKAAAAACgAAAAoAAAAZAAAAGQAAAAAAAAAzMzMAAAAAABQAAAAUAAAAGQAAABkAAAAAAAAABcAAAAUAAAAAAAAABkMAAD/fwAA/38AAAAAAAAJAAAABAAAAD0iU00eAAAAaAAAAAAAAAAAAAAAAAAAAAAAAAAAAAAAECcAABAnAAAAAAAAAAAAAAAAAAAAAAAAAAAAAAAAAAAAAAAAAAAAABQAAAAAAAAAwMD/AAAAAABkAAAAMgAAAAAAAABkAAAAAAAAAH9/fwAKAAAAIgAAABgAAAAAAAAAAAAAAAAAAAAAAAAAAAAAAAAAAAAkAAAAJAAAAAAAAAAHAAAAAAAAAAAAAAAAAAAAAAAAAAAAAAAAAAAAf39/ACUAAABYAAAAAAAAAAAAAAAAAAAAAAAAAAAAAAAAAAAAAAAAAAAAAAAAAAAAAAAAAAAAAAA/AAAAAAAAAKCGAQAAAAAAAAAAAAAAAAAMAAAAAQAAAAAAAAAAAAAAAAAAAB8AAABUAAAAT4G9Bf///wEAAAAAAAAAAAAAAAAAAAAAAAAAAAAAAAAAAAAAAAAAAAAAAAJ/f38A7uzhA8zMzADAwP8Af39/AAAAAAAAAAAAAAAAAAAAAAAAAAAAIQAAABgAAAAUAAAA0RwAACEXAABYNwAAkSgAAAAgAAAmAAAACAAAAP//////////"/>
-              </a:ext>
-            </a:extLst>
-          </p:cNvSpPr>
-          <p:nvPr/>
-        </p:nvSpPr>
-        <p:spPr>
-          <a:xfrm>
-            <a:off x="4684395" y="3759835"/>
-            <a:ext cx="4312285" cy="2834640"/>
-          </a:xfrm>
-          <a:prstGeom prst="rect">
-            <a:avLst/>
-          </a:prstGeom>
-          <a:noFill/>
-          <a:ln>
-            <a:noFill/>
-          </a:ln>
-          <a:effectLst/>
-        </p:spPr>
-        <p:txBody>
-          <a:bodyPr vert="horz" wrap="square" numCol="1" spcCol="215900" anchor="t"/>
-          <a:lstStyle/>
-          <a:p>
-            <a:pPr>
-              <a:defRPr lang="fr-fr" sz="1200" cap="none">
-                <a:solidFill>
-                  <a:srgbClr val="007F00"/>
-                </a:solidFill>
-                <a:latin typeface="Courier 10 Pitch" pitchFamily="1" charset="0"/>
-                <a:ea typeface="Courier 10 Pitch" pitchFamily="1" charset="0"/>
-                <a:cs typeface="Courier 10 Pitch" pitchFamily="1" charset="0"/>
-              </a:defRPr>
-            </a:pPr>
-            <a:r>
-              <a:t>#################</a:t>
-            </a:r>
-          </a:p>
-          <a:p>
-            <a:pPr>
-              <a:defRPr lang="fr-fr" sz="1200" cap="none">
-                <a:solidFill>
-                  <a:srgbClr val="007F00"/>
-                </a:solidFill>
-                <a:latin typeface="Courier 10 Pitch" pitchFamily="1" charset="0"/>
-                <a:ea typeface="Courier 10 Pitch" pitchFamily="1" charset="0"/>
-                <a:cs typeface="Courier 10 Pitch" pitchFamily="1" charset="0"/>
-              </a:defRPr>
-            </a:pPr>
-            <a:r>
-              <a:t># MCMC analysis #</a:t>
-            </a:r>
-          </a:p>
-          <a:p>
-            <a:pPr>
-              <a:defRPr lang="fr-fr" sz="1200" cap="none">
-                <a:solidFill>
-                  <a:srgbClr val="007F00"/>
-                </a:solidFill>
-                <a:latin typeface="Courier 10 Pitch" pitchFamily="1" charset="0"/>
-                <a:ea typeface="Courier 10 Pitch" pitchFamily="1" charset="0"/>
-                <a:cs typeface="Courier 10 Pitch" pitchFamily="1" charset="0"/>
-              </a:defRPr>
-            </a:pPr>
-            <a:r>
-              <a:t>#################</a:t>
-            </a:r>
-          </a:p>
-          <a:p>
-            <a:pPr>
-              <a:defRPr lang="fr-fr" sz="1200" cap="none">
-                <a:solidFill>
-                  <a:srgbClr val="007F00"/>
-                </a:solidFill>
-                <a:latin typeface="Courier 10 Pitch" pitchFamily="1" charset="0"/>
-                <a:ea typeface="Courier 10 Pitch" pitchFamily="1" charset="0"/>
-                <a:cs typeface="Courier 10 Pitch" pitchFamily="1" charset="0"/>
-              </a:defRPr>
-            </a:pPr>
-            <a:r>
-              <a:t># Now we define monitors to keep track of what's happening during the MCMC.</a:t>
-            </a:r>
-          </a:p>
-          <a:p>
-            <a:pPr>
-              <a:defRPr lang="fr-fr" sz="1200" cap="none">
-                <a:solidFill>
-                  <a:srgbClr val="007F00"/>
-                </a:solidFill>
-                <a:latin typeface="Courier 10 Pitch" pitchFamily="1" charset="0"/>
-                <a:ea typeface="Courier 10 Pitch" pitchFamily="1" charset="0"/>
-                <a:cs typeface="Courier 10 Pitch" pitchFamily="1" charset="0"/>
-              </a:defRPr>
-            </a:pPr>
-            <a:r>
-              <a:t># One monitor to store the parameter distributions into a file:</a:t>
-            </a:r>
-          </a:p>
-          <a:p>
-            <a:pPr>
-              <a:defRPr lang="fr-fr" sz="1200" cap="none">
-                <a:solidFill>
-                  <a:srgbClr val="000000"/>
-                </a:solidFill>
-                <a:latin typeface="Courier 10 Pitch" pitchFamily="1" charset="0"/>
-                <a:ea typeface="Courier 10 Pitch" pitchFamily="1" charset="0"/>
-                <a:cs typeface="Courier 10 Pitch" pitchFamily="1" charset="0"/>
-              </a:defRPr>
-            </a:pPr>
-            <a:r>
-              <a:t>monitors[1] = mnModel(filename="...", printgen=10, separator = TAB)</a:t>
-            </a:r>
-          </a:p>
-          <a:p>
-            <a:pPr>
-              <a:defRPr lang="fr-fr" sz="1200" cap="none">
-                <a:solidFill>
-                  <a:srgbClr val="007F00"/>
-                </a:solidFill>
-                <a:latin typeface="Courier 10 Pitch" pitchFamily="1" charset="0"/>
-                <a:ea typeface="Courier 10 Pitch" pitchFamily="1" charset="0"/>
-                <a:cs typeface="Courier 10 Pitch" pitchFamily="1" charset="0"/>
-              </a:defRPr>
-            </a:pPr>
-            <a:r>
-              <a:t># We create an MCMC object:</a:t>
-            </a:r>
-          </a:p>
-          <a:p>
-            <a:pPr>
-              <a:defRPr lang="fr-fr" sz="1200" cap="none">
-                <a:solidFill>
-                  <a:srgbClr val="000000"/>
-                </a:solidFill>
-                <a:latin typeface="Courier 10 Pitch" pitchFamily="1" charset="0"/>
-                <a:ea typeface="Courier 10 Pitch" pitchFamily="1" charset="0"/>
-                <a:cs typeface="Courier 10 Pitch" pitchFamily="1" charset="0"/>
-              </a:defRPr>
-            </a:pPr>
-            <a:r>
-              <a:t>analysis = mcmc(my_model, monitors, moves, ...)</a:t>
-            </a:r>
-          </a:p>
-          <a:p>
-            <a:pPr>
-              <a:defRPr lang="fr-fr" sz="1200" cap="none">
-                <a:solidFill>
-                  <a:srgbClr val="007F00"/>
-                </a:solidFill>
-                <a:latin typeface="Courier 10 Pitch" pitchFamily="1" charset="0"/>
-                <a:ea typeface="Courier 10 Pitch" pitchFamily="1" charset="0"/>
-                <a:cs typeface="Courier 10 Pitch" pitchFamily="1" charset="0"/>
-              </a:defRPr>
-            </a:pPr>
-            <a:r>
-              <a:t># We run the MCMC for 20,000 iterations:</a:t>
-            </a:r>
-          </a:p>
-          <a:p>
-            <a:pPr>
-              <a:defRPr lang="fr-fr" sz="1200" cap="none">
-                <a:solidFill>
-                  <a:srgbClr val="000000"/>
-                </a:solidFill>
-                <a:latin typeface="Courier 10 Pitch" pitchFamily="1" charset="0"/>
-                <a:ea typeface="Courier 10 Pitch" pitchFamily="1" charset="0"/>
-                <a:cs typeface="Courier 10 Pitch" pitchFamily="1" charset="0"/>
-              </a:defRPr>
-            </a:pPr>
-            <a:r>
-              <a:t>analysis.run(20000)</a:t>
-            </a:r>
-          </a:p>
-          <a:p>
-            <a:pPr>
-              <a:defRPr lang="fr-fr" sz="1200" cap="none">
-                <a:solidFill>
-                  <a:srgbClr val="007F00"/>
-                </a:solidFill>
-                <a:latin typeface="Courier 10 Pitch" pitchFamily="1" charset="0"/>
-                <a:ea typeface="Courier 10 Pitch" pitchFamily="1" charset="0"/>
-                <a:cs typeface="Courier 10 Pitch" pitchFamily="1" charset="0"/>
-              </a:defRPr>
-            </a:pPr>
           </a:p>
         </p:txBody>
       </p:sp>
@@ -10229,7 +9484,7 @@
             <a:spLocks noGrp="1" noChangeArrowheads="1"/>
             <a:extLst>
               <a:ext uri="smNativeData">
-                <pr:smNativeData xmlns:pr="smNativeData" xmlns="smNativeData" val="SMDATA_15_iunWYhMAAAAlAAAAZAAAAA0AAAAAkAAAAEgAAACQAAAASAAAAAAAAAABAAAAAAAAAAEAAABQAAAAAAAAAAAA4D8AAAAAAADgPwAAAAAAAOA/AAAAAAAA4D8AAAAAAADgPwAAAAAAAOA/AAAAAAAA4D8AAAAAAADgPwAAAAAAAOA/AAAAAAAA4D8CAAAAjAAAAAAAAAAAAAAAT4G9DP///wgAAAAAAAAAAAAAAAAAAAAAAAAAAAAAAAAAAAAAZAAAAAEAAABAAAAAAAAAAAAAAAAAAAAAAAAAAAAAAAAAAAAAAAAAAAAAAAAAAAAAAAAAAAAAAAAAAAAAAAAAAAAAAAAAAAAAAAAAAAAAAAAAAAAAAAAAAAAAAAAAAAAAFAAAADwAAAAAAAAAAAAAAAAAAAkUAAAAAQAAABQAAAAUAAAAFAAAAAEAAAAAAAAAZAAAAGQAAAAAAAAAZAAAAGQAAAAVAAAAYAAAAAAAAAAAAAAADwAAACADAAAAAAAAAAAAAAEAAACgMgAAVgcAAKr4//8BAAAAf39/AAEAAABkAAAAAAAAABQAAABAHwAAAAAAACYAAAAAAAAAwOD//wAAAAAmAAAAZAAAABYAAABMAAAAAAAAAAAAAAAEAAAAAAAAAAEAAADu7OEKAAAAACgAAAAoAAAAZAAAAGQAAAAAAAAAzMzMAAAAAABQAAAAUAAAAGQAAABkAAAAAAAAABcAAAAUAAAAAAAAAAAAAAD/fwAA/38AAAAAAAAJAAAABAAAACQBAAAeAAAAaAAAAAAAAAAAAAAAAAAAAAAAAAAAAAAAECcAABAnAAAAAAAAAAAAAAAAAAAAAAAAAAAAAAAAAAAAAAAAAAAAABQAAAAAAAAAwMD/AAAAAABkAAAAMgAAAAAAAABkAAAAAAAAAH9/fwAKAAAAIgAAABgAAAAAAAAAAAAAAAAAAAAAAAAAAAAAAAAAAAAkAAAAJAAAAAAAAAAHAAAAAAAAAAAAAAAAAAAAAAAAAAAAAAAAAAAAf39/ACUAAABYAAAAAAAAAAAAAAAAAAAAAAAAAAAAAAAAAAAAAAAAAAAAAAAAAAAAAAAAAAAAAAA/AAAAAAAAAKCGAQAAAAAAAAAAAAAAAAAMAAAAAQAAAAAAAAAAAAAAAAAAAB8AAABUAAAAT4G9Bf///wEAAAAAAAAAAAAAAAAAAAAAAAAAAAAAAAAAAAAAAAAAAAAAAAJ/f38A7uzhA8zMzADAwP8Af39/AAAAAAAAAAAAAAAAAAAAAAAAAAAAIQAAABgAAAAUAAAA0AIAALEBAABwNQAAuQgAABAAAAAmAAAACAAAAAAAAAAAAAAA"/>
+                <pr:smNativeData xmlns:pr="smNativeData" xmlns="smNativeData" val="SMDATA_15_0rbXYhMAAAAlAAAAZAAAAA0AAAAAkAAAAEgAAACQAAAASAAAAAAAAAABAAAAAAAAAAEAAABQAAAAAAAAAAAA4D8AAAAAAADgPwAAAAAAAOA/AAAAAAAA4D8AAAAAAADgPwAAAAAAAOA/AAAAAAAA4D8AAAAAAADgPwAAAAAAAOA/AAAAAAAA4D8CAAAAjAAAAAAAAAAAAAAAT4G9DP///wgAAAAAAAAAAAAAAAAAAAAAAAAAAAAAAAAAAAAAZAAAAAEAAABAAAAAAAAAAAAAAAAAAAAAAAAAAAAAAAAAAAAAAAAAAAAAAAAAAAAAAAAAAAAAAAAAAAAAAAAAAAAAAAAAAAAAAAAAAAAAAAAAAAAAAAAAAAAAAAAAAAAAFAAAADwAAAAAAAAAAAAAAAAAAAkUAAAAAQAAABQAAAAUAAAAFAAAAAEAAAAAAAAAZAAAAGQAAAAAAAAAZAAAAGQAAAAVAAAAYAAAAAAAAAAAAAAADwAAACADAAAAAAAAAAAAAAEAAACgMgAAVgcAAKr4//8BAAAAf39/AAEAAABkAAAAAAAAABQAAABAHwAAAAAAACYAAAAAAAAAwOD//wAAAAAmAAAAZAAAABYAAABMAAAAAAAAAAAAAAAEAAAAAAAAAAEAAADu7OEKAAAAACgAAAAoAAAAZAAAAGQAAAAAAAAAzMzMAAAAAABQAAAAUAAAAGQAAABkAAAAAAAAABcAAAAUAAAAAAAAAAAAAAD/fwAA/38AAAAAAAAJAAAABAAAACQBAAAeAAAAaAAAAAAAAAAAAAAAAAAAAAAAAAAAAAAAECcAABAnAAAAAAAAAAAAAAAAAAAAAAAAAAAAAAAAAAAAAAAAAAAAABQAAAAAAAAAwMD/AAAAAABkAAAAMgAAAAAAAABkAAAAAAAAAH9/fwAKAAAAIgAAABgAAAAAAAAAAAAAAAAAAAAAAAAAAAAAAAAAAAAkAAAAJAAAAAAAAAAHAAAAAAAAAAAAAAAAAAAAAAAAAAAAAAAAAAAAf39/ACUAAABYAAAAAAAAAAAAAAAAAAAAAAAAAAAAAAAAAAAAAAAAAAAAAAAAAAAAAAAAAAAAAAA/AAAAAAAAAKCGAQAAAAAAAAAAAAAAAAAMAAAAAQAAAAAAAAAAAAAAAAAAAB8AAABUAAAAT4G9Bf///wEAAAAAAAAAAAAAAAAAAAAAAAAAAAAAAAAAAAAAAAAAAAAAAAJ/f38A7uzhA8zMzADAwP8Af39/AAAAAAAAAAAAAAAAAAAAAAAAAAAAIQAAABgAAAAUAAAA0AIAALEBAABwNQAAuQgAABAAAAAmAAAACAAAAAAAAAAAAAAA"/>
               </a:ext>
             </a:extLst>
           </p:cNvSpPr>
@@ -10258,7 +9513,7 @@
             <a:spLocks noGrp="1" noChangeArrowheads="1"/>
             <a:extLst>
               <a:ext uri="smNativeData">
-                <pr:smNativeData xmlns:pr="smNativeData" xmlns="smNativeData" val="SMDATA_15_iunWYhMAAAAlAAAAZAAAAA0AAAAAkAAAAEgAAACQAAAASAAAAAAAAAAAAAAAAAAAAAEAAABQAAAAAAAAAAAA4D8AAAAAAADgPwAAAAAAAOA/AAAAAAAA4D8AAAAAAADgPwAAAAAAAOA/AAAAAAAA4D8AAAAAAADgPwAAAAAAAOA/AAAAAAAA4D8CAAAAjAAAAAAAAAAAAAAAT4G9DP///wgAAAAAAAAAAAAAAAAAAAAAAAAAAAAAAAAAAAAAZAAAAAEAAABAAAAAAAAAAAAAAAAAAAAAAAAAAAAAAAAAAAAAAAAAAAAAAAAAAAAAAAAAAAAAAAAAAAAAAAAAAAAAAAAAAAAAAAAAAAAAAAAAAAAAAAAAAAAAAAAAAAAAFAAAADwAAAAAAAAAAAAAAAAAAAkUAAAAAQAAABQAAAAUAAAAFAAAAAEAAAAAAAAAZAAAAGQAAAAAAAAAZAAAAGQAAAAVAAAAYAAAAAAAAAAAAAAADwAAACADAAAAAAAAAAAAAAEAAACgMgAAVgcAAKr4//8BAAAAf39/AAEAAABkAAAAAAAAABQAAABAHwAAAAAAACYAAAAAAAAAwOD//wAAAAAmAAAAZAAAABYAAABMAAAAAAAAAAAAAAAEAAAAAAAAAAEAAADu7OEKAAAAACgAAAAoAAAAZAAAAGQAAAAAAAAAzMzMAAAAAABQAAAAUAAAAGQAAABkAAAAAAAAABcAAAAUAAAAAAAAAAAAAAD/fwAA/38AAAAAAAAJAAAABAAAAAAAAAAeAAAAaAAAAAAAAAAAAAAAAAAAAAAAAAAAAAAAECcAABAnAAAAAAAAAAAAAAAAAAAAAAAAAAAAAAAAAAAAAAAAAAAAABQAAAAAAAAAwMD/AAAAAABkAAAAMgAAAAAAAABkAAAAAAAAAH9/fwAKAAAAIgAAABgAAAAAAAAAAAAAAAAAAAAAAAAAAAAAAAAAAAAkAAAAJAAAAAAAAAAHAAAAAAAAAAAAAAAAAAAAAAAAAAAAAAAAAAAAf39/ACUAAABYAAAAAAAAAAAAAAAAAAAAAAAAAAAAAAAAAAAAAAAAAAAAAAAAAAAAAAAAAAAAAAA/AAAAAAAAAKCGAQAAAAAAAAAAAAAAAAAMAAAAAQAAAAAAAAAAAAAAAAAAAB8AAABUAAAAT4G9Bf///wEAAAAAAAAAAAAAAAAAAAAAAAAAAAAAAAAAAAAAAAAAAAAAAAJ/f38A7uzhA8zMzADAwP8Af39/AAAAAAAAAAAAAAAAAAAAAAAAAAAAIQAAABgAAAAUAAAA0AIAANgJAABwNQAAsCUAABAAAAAmAAAACAAAAAAAAAAAAAAA"/>
+                <pr:smNativeData xmlns:pr="smNativeData" xmlns="smNativeData" val="SMDATA_15_0rbXYhMAAAAlAAAAZAAAAA0AAAAAkAAAAEgAAACQAAAASAAAAAAAAAAAAAAAAAAAAAEAAABQAAAAAAAAAAAA4D8AAAAAAADgPwAAAAAAAOA/AAAAAAAA4D8AAAAAAADgPwAAAAAAAOA/AAAAAAAA4D8AAAAAAADgPwAAAAAAAOA/AAAAAAAA4D8CAAAAjAAAAAAAAAAAAAAAT4G9DP///wgAAAAAAAAAAAAAAAAAAAAAAAAAAAAAAAAAAAAAZAAAAAEAAABAAAAAAAAAAAAAAAAAAAAAAAAAAAAAAAAAAAAAAAAAAAAAAAAAAAAAAAAAAAAAAAAAAAAAAAAAAAAAAAAAAAAAAAAAAAAAAAAAAAAAAAAAAAAAAAAAAAAAFAAAADwAAAAAAAAAAAAAAAAAAAkUAAAAAQAAABQAAAAUAAAAFAAAAAEAAAAAAAAAZAAAAGQAAAAAAAAAZAAAAGQAAAAVAAAAYAAAAAAAAAAAAAAADwAAACADAAAAAAAAAAAAAAEAAACgMgAAVgcAAKr4//8BAAAAf39/AAEAAABkAAAAAAAAABQAAABAHwAAAAAAACYAAAAAAAAAwOD//wAAAAAmAAAAZAAAABYAAABMAAAAAAAAAAAAAAAEAAAAAAAAAAEAAADu7OEKAAAAACgAAAAoAAAAZAAAAGQAAAAAAAAAzMzMAAAAAABQAAAAUAAAAGQAAABkAAAAAAAAABcAAAAUAAAAAAAAAAAAAAD/fwAA/38AAAAAAAAJAAAABAAAAAAAAAAeAAAAaAAAAAAAAAAAAAAAAAAAAAAAAAAAAAAAECcAABAnAAAAAAAAAAAAAAAAAAAAAAAAAAAAAAAAAAAAAAAAAAAAABQAAAAAAAAAwMD/AAAAAABkAAAAMgAAAAAAAABkAAAAAAAAAH9/fwAKAAAAIgAAABgAAAAAAAAAAAAAAAAAAAAAAAAAAAAAAAAAAAAkAAAAJAAAAAAAAAAHAAAAAAAAAAAAAAAAAAAAAAAAAAAAAAAAAAAAf39/ACUAAABYAAAAAAAAAAAAAAAAAAAAAAAAAAAAAAAAAAAAAAAAAAAAAAAAAAAAAAAAAAAAAAA/AAAAAAAAAKCGAQAAAAAAAAAAAAAAAAAMAAAAAQAAAAAAAAAAAAAAAAAAAB8AAABUAAAAT4G9Bf///wEAAAAAAAAAAAAAAAAAAAAAAAAAAAAAAAAAAAAAAAAAAAAAAAJ/f38A7uzhA8zMzADAwP8Af39/AAAAAAAAAAAAAAAAAAAAAAAAAAAAIQAAABgAAAAUAAAA0AIAANgJAABwNQAAsCUAAAAAAAAmAAAACAAAAAEAAAAAAAAA"/>
               </a:ext>
             </a:extLst>
           </p:cNvSpPr>
@@ -10266,7 +9521,12 @@
             <p:ph type="body" idx="1"/>
           </p:nvPr>
         </p:nvSpPr>
-        <p:spPr/>
+        <p:spPr>
+          <a:xfrm>
+            <a:off x="457200" y="1600200"/>
+            <a:ext cx="8229600" cy="4526280"/>
+          </a:xfrm>
+        </p:spPr>
         <p:txBody>
           <a:bodyPr/>
           <a:lstStyle/>
@@ -10278,7 +9538,7 @@
               <a:rPr lang="fr-fr" cap="none">
                 <a:hlinkClick r:id="rId2"/>
               </a:rPr>
-              <a:t>http://revbayes.github.io/intro.html</a:t>
+              <a:t>http://revbayes.github.io/</a:t>
             </a:r>
             <a:endParaRPr lang="fr-fr" cap="none">
               <a:hlinkClick r:id="rId2"/>
@@ -10292,7 +9552,7 @@
               <a:rPr lang="fr-fr" cap="none">
                 <a:hlinkClick r:id="rId3"/>
               </a:rPr>
-              <a:t>http://revbayes.github.io/tutorials.html</a:t>
+              <a:t>http://revbayes.github.io/tutorials/</a:t>
             </a:r>
             <a:endParaRPr lang="fr-fr" cap="none">
               <a:hlinkClick r:id="rId3"/>
@@ -10300,29 +9560,20 @@
           </a:p>
           <a:p>
             <a:pPr>
-              <a:defRPr lang="fr-fr"/>
-            </a:pPr>
-            <a:r>
-              <a:rPr lang="fr-fr" cap="none">
+              <a:defRPr lang="fr-fr" u="sng" cap="none">
+                <a:solidFill>
+                  <a:schemeClr val="hlink"/>
+                </a:solidFill>
+                <a:hlinkClick r:id="rId4"/>
+              </a:defRPr>
+            </a:pPr>
+            <a:r>
+              <a:rPr lang="fr-fr">
                 <a:hlinkClick r:id="rId4"/>
               </a:rPr>
-              <a:t>http://revbayes.github.io/installation.html</a:t>
-            </a:r>
-            <a:endParaRPr lang="fr-fr" cap="none">
-              <a:hlinkClick r:id="rId4"/>
-            </a:endParaRPr>
-          </a:p>
-          <a:p>
-            <a:pPr>
-              <a:defRPr lang="fr-fr"/>
-            </a:pPr>
-            <a:r>
-              <a:rPr lang="fr-fr" cap="none">
-                <a:hlinkClick r:id="rId4"/>
-              </a:rPr>
-              <a:t>https://github.com/revbayes</a:t>
-            </a:r>
-            <a:endParaRPr lang="fr-fr" cap="none">
+              <a:t>https://revbayes.github.io/documentation/</a:t>
+            </a:r>
+            <a:endParaRPr lang="fr-fr">
               <a:hlinkClick r:id="rId4"/>
             </a:endParaRPr>
           </a:p>
@@ -10334,7 +9585,7 @@
               <a:rPr lang="fr-fr" cap="none">
                 <a:hlinkClick r:id="rId5"/>
               </a:rPr>
-              <a:t>https://groups.google.com/forum/#!forum/revbayes-users</a:t>
+              <a:t>http://revbayes.github.io/download</a:t>
             </a:r>
             <a:endParaRPr lang="fr-fr" cap="none">
               <a:hlinkClick r:id="rId5"/>
@@ -10344,6 +9595,29 @@
             <a:pPr>
               <a:defRPr lang="fr-fr"/>
             </a:pPr>
+            <a:r>
+              <a:rPr lang="fr-fr" cap="none">
+                <a:hlinkClick r:id="rId5"/>
+              </a:rPr>
+              <a:t>https://github.com/revbayes</a:t>
+            </a:r>
+            <a:endParaRPr lang="fr-fr" cap="none">
+              <a:hlinkClick r:id="rId5"/>
+            </a:endParaRPr>
+          </a:p>
+          <a:p>
+            <a:pPr>
+              <a:defRPr lang="fr-fr"/>
+            </a:pPr>
+            <a:r>
+              <a:rPr lang="fr-fr" cap="none">
+                <a:hlinkClick r:id="rId6"/>
+              </a:rPr>
+              <a:t>https://groups.google.com/g/revbayes-users</a:t>
+            </a:r>
+            <a:endParaRPr lang="fr-fr" cap="none">
+              <a:hlinkClick r:id="rId6"/>
+            </a:endParaRPr>
           </a:p>
           <a:p>
             <a:pPr>
@@ -10391,7 +9665,7 @@
             <a:spLocks noGrp="1" noChangeArrowheads="1"/>
             <a:extLst>
               <a:ext uri="smNativeData">
-                <pr:smNativeData xmlns:pr="smNativeData" xmlns="smNativeData" val="SMDATA_15_iunWYhMAAAAlAAAAZAAAAA0AAAAAkAAAAEgAAACQAAAASAAAAAAAAAABAAAAAAAAAAEAAABQAAAAAAAAAAAA4D8AAAAAAADgPwAAAAAAAOA/AAAAAAAA4D8AAAAAAADgPwAAAAAAAOA/AAAAAAAA4D8AAAAAAADgPwAAAAAAAOA/AAAAAAAA4D8CAAAAjAAAAAAAAAAAAAAAT4G9DP///wgAAAAAAAAAAAAAAAAAAAAAAAAAAAAAAAAAAAAAZAAAAAEAAABAAAAAAAAAAAAAAAAAAAAAAAAAAAAAAAAAAAAAAAAAAAAAAAAAAAAAAAAAAAAAAAAAAAAAAAAAAAAAAAAAAAAAAAAAAAAAAAAAAAAAAAAAAAAAAAAAAAAAFAAAADwAAAAAAAAAAAAAAAAAAAkUAAAAAQAAABQAAAAUAAAAFAAAAAEAAAAAAAAAZAAAAGQAAAAAAAAAZAAAAGQAAAAVAAAAYAAAAAAAAAAAAAAADwAAACADAAAAAAAAAAAAAAEAAACgMgAAVgcAAKr4//8BAAAAf39/AAEAAABkAAAAAAAAABQAAABAHwAAAAAAACYAAAAAAAAAwOD//wAAAAAmAAAAZAAAABYAAABMAAAAAAAAAAAAAAAEAAAAAAAAAAEAAADu7OEKAAAAACgAAAAoAAAAZAAAAGQAAAAAAAAAzMzMAAAAAABQAAAAUAAAAGQAAABkAAAAAAAAABcAAAAUAAAAAAAAAAAAAAD/fwAA/38AAAAAAAAJAAAABAAAAD7o2aweAAAAaAAAAAAAAAAAAAAAAAAAAAAAAAAAAAAAECcAABAnAAAAAAAAAAAAAAAAAAAAAAAAAAAAAAAAAAAAAAAAAAAAABQAAAAAAAAAwMD/AAAAAABkAAAAMgAAAAAAAABkAAAAAAAAAH9/fwAKAAAAIgAAABgAAAAAAAAAAAAAAAAAAAAAAAAAAAAAAAAAAAAkAAAAJAAAAAAAAAAHAAAAAAAAAAAAAAAAAAAAAAAAAAAAAAAAAAAAf39/ACUAAABYAAAAAAAAAAAAAAAAAAAAAAAAAAAAAAAAAAAAAAAAAAAAAAAAAAAAAAAAAAAAAAA/AAAAAAAAAKCGAQAAAAAAAAAAAAAAAAAMAAAAAQAAAAAAAAAAAAAAAAAAAB8AAABUAAAAT4G9Bf///wEAAAAAAAAAAAAAAAAAAAAAAAAAAAAAAAAAAAAAAAAAAAAAAAJ/f38A7uzhA8zMzADAwP8Af39/AAAAAAAAAAAAAAAAAAAAAAAAAAAAIQAAABgAAAAUAAAA0AIAALcAAABwNQAA1gMAAAAAAAAmAAAACAAAAAEAAAAAAAAA"/>
+                <pr:smNativeData xmlns:pr="smNativeData" xmlns="smNativeData" val="SMDATA_15_0rbXYhMAAAAlAAAAZAAAAA0AAAAAkAAAAEgAAACQAAAASAAAAAAAAAABAAAAAAAAAAEAAABQAAAAAAAAAAAA4D8AAAAAAADgPwAAAAAAAOA/AAAAAAAA4D8AAAAAAADgPwAAAAAAAOA/AAAAAAAA4D8AAAAAAADgPwAAAAAAAOA/AAAAAAAA4D8CAAAAjAAAAAAAAAAAAAAAT4G9DP///wgAAAAAAAAAAAAAAAAAAAAAAAAAAAAAAAAAAAAAZAAAAAEAAABAAAAAAAAAAAAAAAAAAAAAAAAAAAAAAAAAAAAAAAAAAAAAAAAAAAAAAAAAAAAAAAAAAAAAAAAAAAAAAAAAAAAAAAAAAAAAAAAAAAAAAAAAAAAAAAAAAAAAFAAAADwAAAAAAAAAAAAAAAAAAAkUAAAAAQAAABQAAAAUAAAAFAAAAAEAAAAAAAAAZAAAAGQAAAAAAAAAZAAAAGQAAAAVAAAAYAAAAAAAAAAAAAAADwAAACADAAAAAAAAAAAAAAEAAACgMgAAVgcAAKr4//8BAAAAf39/AAEAAABkAAAAAAAAABQAAABAHwAAAAAAACYAAAAAAAAAwOD//wAAAAAmAAAAZAAAABYAAABMAAAAAAAAAAAAAAAEAAAAAAAAAAEAAADu7OEKAAAAACgAAAAoAAAAZAAAAGQAAAAAAAAAzMzMAAAAAABQAAAAUAAAAGQAAABkAAAAAAAAABcAAAAUAAAAAAAAAAAAAAD/fwAA/38AAAAAAAAJAAAABAAAAAAAAAEeAAAAaAAAAAAAAAAAAAAAAAAAAAAAAAAAAAAAECcAABAnAAAAAAAAAAAAAAAAAAAAAAAAAAAAAAAAAAAAAAAAAAAAABQAAAAAAAAAwMD/AAAAAABkAAAAMgAAAAAAAABkAAAAAAAAAH9/fwAKAAAAIgAAABgAAAAAAAAAAAAAAAAAAAAAAAAAAAAAAAAAAAAkAAAAJAAAAAAAAAAHAAAAAAAAAAAAAAAAAAAAAAAAAAAAAAAAAAAAf39/ACUAAABYAAAAAAAAAAAAAAAAAAAAAAAAAAAAAAAAAAAAAAAAAAAAAAAAAAAAAAAAAAAAAAA/AAAAAAAAAKCGAQAAAAAAAAAAAAAAAAAMAAAAAQAAAAAAAAAAAAAAAAAAAB8AAABUAAAAT4G9Bf///wEAAAAAAAAAAAAAAAAAAAAAAAAAAAAAAAAAAAAAAAAAAAAAAAJ/f38A7uzhA8zMzADAwP8Af39/AAAAAAAAAAAAAAAAAAAAAAAAAAAAIQAAABgAAAAUAAAA0AIAALcAAABwNQAA1gMAAAAAAAAmAAAACAAAAAEAAAAAAAAA"/>
               </a:ext>
             </a:extLst>
           </p:cNvSpPr>
@@ -10424,7 +9698,7 @@
           <p:cNvSpPr txBox="1">
             <a:extLst>
               <a:ext uri="smNativeData">
-                <pr:smNativeData xmlns:pr="smNativeData" xmlns="smNativeData" val="SMDATA_15_iunWYhMAAAAlAAAAEgAAAE8BAAAAkAAAAEgAAACQAAAASAAAAAAAAAAAAAAAAAAAAAEAAABQAAAAAAAAAAAA4D8AAAAAAADgPwAAAAAAAOA/AAAAAAAA4D8AAAAAAADgPwAAAAAAAOA/AAAAAAAA4D8AAAAAAADgPwAAAAAAAOA/AAAAAAAA4D8CAAAAjAAAAAAAAAAAAAAAT4G9DP///wgAAAAAAAAAAAAAAAAAAAAAAAAAAAAAAAAAAAAAZAAAAAEAAABAAAAAAAAAAAAAAAAAAAAAAAAAAAAAAAAAAAAAAAAAAAAAAAAAAAAAAAAAAAAAAAAAAAAAAAAAAAAAAAAAAAAAAAAAAAAAAAAAAAAAAAAAAAAAAAAAAAAAFAAAADwAAAAAAAAAAAAAAAAAAAkUAAAAAQAAABQAAAAUAAAAFAAAAAEAAAAAAAAAZAAAAGQAAAAAAAAAZAAAAGQAAAAVAAAAYAAAAAAAAAAAAAAADwAAACADAAAAAAAAAAAAAAEAAACgMgAAVgcAAKr4//8BAAAAf39/AAEAAABkAAAAAAAAABQAAABAHwAAAAAAACYAAAAAAAAAwOD//wAAAAAmAAAAZAAAABYAAABMAAAAAAAAAAAAAAAEAAAAAAAAAAEAAADu7OEKAAAAACgAAAAoAAAAZAAAAGQAAAAAAAAAzMzMAAAAAABQAAAAUAAAAGQAAABkAAAAAAAAABcAAAAUAAAAAAAAABkMAAD/fwAA/38AAAAAAAAJAAAABAAAAAAAAAAeAAAAaAAAAAAAAAAAAAAAAAAAAAAAAAAAAAAAECcAABAnAAAAAAAAAAAAAAAAAAAAAAAAAAAAAAAAAAAAAAAAAAAAABQAAAAAAAAAwMD/AAAAAABkAAAAMgAAAAAAAABkAAAAAAAAAH9/fwAKAAAAIgAAABgAAAAAAAAAAAAAAAAAAAAAAAAAAAAAAAAAAAAkAAAAJAAAAAAAAAAHAAAAAAAAAAAAAAAAAAAAAAAAAAAAAAAAAAAAf39/ACUAAABYAAAAAAAAAAAAAAAAAAAAAAAAAAAAAAAAAAAAAAAAAAAAAAAAAAAAAAAAAAAAAAA/AAAAAAAAAKCGAQAAAAAAAAAAAAAAAAAMAAAAAQAAAAAAAAAAAAAAAAAAAB8AAABUAAAAT4G9Bf///wEAAAAAAAAAAAAAAAAAAAAAAAAAAAAAAAAAAAAAAAAAAAAAAAJ/f38A7uzhA8zMzADAwP8Af39/AAAAAAAAAAAAAAAAAAAAAAAAAAAAIQAAABgAAAAUAAAAfAAAAEIFAAB2GwAAkgwAAAAgAAAmAAAACAAAAP//////////"/>
+                <pr:smNativeData xmlns:pr="smNativeData" xmlns="smNativeData" val="SMDATA_15_0rbXYhMAAAAlAAAAEgAAAE8BAAAAkAAAAEgAAACQAAAASAAAAAAAAAAAAAAAAAAAAAEAAABQAAAAAAAAAAAA4D8AAAAAAADgPwAAAAAAAOA/AAAAAAAA4D8AAAAAAADgPwAAAAAAAOA/AAAAAAAA4D8AAAAAAADgPwAAAAAAAOA/AAAAAAAA4D8CAAAAjAAAAAAAAAAAAAAAT4G9DP///wgAAAAAAAAAAAAAAAAAAAAAAAAAAAAAAAAAAAAAZAAAAAEAAABAAAAAAAAAAAAAAAAAAAAAAAAAAAAAAAAAAAAAAAAAAAAAAAAAAAAAAAAAAAAAAAAAAAAAAAAAAAAAAAAAAAAAAAAAAAAAAAAAAAAAAAAAAAAAAAAAAAAAFAAAADwAAAAAAAAAAAAAAAAAAAkUAAAAAQAAABQAAAAUAAAAFAAAAAEAAAAAAAAAZAAAAGQAAAAAAAAAZAAAAGQAAAAVAAAAYAAAAAAAAAAAAAAADwAAACADAAAAAAAAAAAAAAEAAACgMgAAVgcAAKr4//8BAAAAf39/AAEAAABkAAAAAAAAABQAAABAHwAAAAAAACYAAAAAAAAAwOD//wAAAAAmAAAAZAAAABYAAABMAAAAAAAAAAAAAAAEAAAAAAAAAAEAAADu7OEKAAAAACgAAAAoAAAAZAAAAGQAAAAAAAAAzMzMAAAAAABQAAAAUAAAAGQAAABkAAAAAAAAABcAAAAUAAAAAAAAABkMAAD/fwAA/38AAAAAAAAJAAAABAAAAD7o2aweAAAAaAAAAAAAAAAAAAAAAAAAAAAAAAAAAAAAECcAABAnAAAAAAAAAAAAAAAAAAAAAAAAAAAAAAAAAAAAAAAAAAAAABQAAAAAAAAAwMD/AAAAAABkAAAAMgAAAAAAAABkAAAAAAAAAH9/fwAKAAAAIgAAABgAAAAAAAAAAAAAAAAAAAAAAAAAAAAAAAAAAAAkAAAAJAAAAAAAAAAHAAAAAAAAAAAAAAAAAAAAAAAAAAAAAAAAAAAAf39/ACUAAABYAAAAAAAAAAAAAAAAAAAAAAAAAAAAAAAAAAAAAAAAAAAAAAAAAAAAAAAAAAAAAAA/AAAAAAAAAKCGAQAAAAAAAAAAAAAAAAAMAAAAAQAAAAAAAAAAAAAAAAAAAB8AAABUAAAAT4G9Bf///wEAAAAAAAAAAAAAAAAAAAAAAAAAAAAAAAAAAAAAAAAAAAAAAAJ/f38A7uzhA8zMzADAwP8Af39/AAAAAAAAAAAAAAAAAAAAAAAAAAAAIQAAABgAAAAUAAAAfAAAAEIFAAB2GwAAkgwAAAAgAAAmAAAACAAAAP//////////"/>
               </a:ext>
             </a:extLst>
           </p:cNvSpPr>
@@ -10545,7 +9819,7 @@
           <p:cNvSpPr txBox="1">
             <a:extLst>
               <a:ext uri="smNativeData">
-                <pr:smNativeData xmlns:pr="smNativeData" xmlns="smNativeData" val="SMDATA_15_iunWYhMAAAAlAAAAEgAAAE8BAAAAkAAAAEgAAACQAAAASAAAAAAAAAAAAAAAAAAAAAEAAABQAAAAAAAAAAAA4D8AAAAAAADgPwAAAAAAAOA/AAAAAAAA4D8AAAAAAADgPwAAAAAAAOA/AAAAAAAA4D8AAAAAAADgPwAAAAAAAOA/AAAAAAAA4D8CAAAAjAAAAAAAAAAAAAAAT4G9DP///wgAAAAAAAAAAAAAAAAAAAAAAAAAAAAAAAAAAAAAZAAAAAEAAABAAAAAAAAAAAAAAAAAAAAAAAAAAAAAAAAAAAAAAAAAAAAAAAAAAAAAAAAAAAAAAAAAAAAAAAAAAAAAAAAAAAAAAAAAAAAAAAAAAAAAAAAAAAAAAAAAAAAAFAAAADwAAAAAAAAAAAAAAAAAAAkUAAAAAQAAABQAAAAUAAAAFAAAAAEAAAAAAAAAZAAAAGQAAAAAAAAAZAAAAGQAAAAVAAAAYAAAAAAAAAAAAAAADwAAACADAAAAAAAAAAAAAAEAAACgMgAAVgcAAKr4//8BAAAAf39/AAEAAABkAAAAAAAAABQAAABAHwAAAAAAACYAAAAAAAAAwOD//wAAAAAmAAAAZAAAABYAAABMAAAAAAAAAAAAAAAEAAAAAAAAAAEAAADu7OEKAAAAACgAAAAoAAAAZAAAAGQAAAAAAAAAzMzMAAAAAABQAAAAUAAAAGQAAABkAAAAAAAAABcAAAAUAAAAAAAAABkMAAD/fwAA/38AAAAAAAAJAAAABAAAAC8AAAAeAAAAaAAAAAAAAAAAAAAAAAAAAAAAAAAAAAAAECcAABAnAAAAAAAAAAAAAAAAAAAAAAAAAAAAAAAAAAAAAAAAAAAAABQAAAAAAAAAwMD/AAAAAABkAAAAMgAAAAAAAABkAAAAAAAAAH9/fwAKAAAAIgAAABgAAAAAAAAAAAAAAAAAAAAAAAAAAAAAAAAAAAAkAAAAJAAAAAAAAAAHAAAAAAAAAAAAAAAAAAAAAAAAAAAAAAAAAAAAf39/ACUAAABYAAAAAAAAAAAAAAAAAAAAAAAAAAAAAAAAAAAAAAAAAAAAAAAAAAAAAAAAAAAAAAA/AAAAAAAAAKCGAQAAAAAAAAAAAAAAAAAMAAAAAQAAAAAAAAAAAAAAAAAAAB8AAABUAAAAT4G9Bf///wEAAAAAAAAAAAAAAAAAAAAAAAAAAAAAAAAAAAAAAAAAAAAAAAJ/f38A7uzhA8zMzADAwP8Af39/AAAAAAAAAAAAAAAAAAAAAAAAAAAAIQAAABgAAAAUAAAAfAAAAOAMAACHGwAAUCcAAAAgAAAmAAAACAAAAP//////////"/>
+                <pr:smNativeData xmlns:pr="smNativeData" xmlns="smNativeData" val="SMDATA_15_0rbXYhMAAAAlAAAAEgAAAE8BAAAAkAAAAEgAAACQAAAASAAAAAAAAAAAAAAAAAAAAAEAAABQAAAAAAAAAAAA4D8AAAAAAADgPwAAAAAAAOA/AAAAAAAA4D8AAAAAAADgPwAAAAAAAOA/AAAAAAAA4D8AAAAAAADgPwAAAAAAAOA/AAAAAAAA4D8CAAAAjAAAAAAAAAAAAAAAT4G9DP///wgAAAAAAAAAAAAAAAAAAAAAAAAAAAAAAAAAAAAAZAAAAAEAAABAAAAAAAAAAAAAAAAAAAAAAAAAAAAAAAAAAAAAAAAAAAAAAAAAAAAAAAAAAAAAAAAAAAAAAAAAAAAAAAAAAAAAAAAAAAAAAAAAAAAAAAAAAAAAAAAAAAAAFAAAADwAAAAAAAAAAAAAAAAAAAkUAAAAAQAAABQAAAAUAAAAFAAAAAEAAAAAAAAAZAAAAGQAAAAAAAAAZAAAAGQAAAAVAAAAYAAAAAAAAAAAAAAADwAAACADAAAAAAAAAAAAAAEAAACgMgAAVgcAAKr4//8BAAAAf39/AAEAAABkAAAAAAAAABQAAABAHwAAAAAAACYAAAAAAAAAwOD//wAAAAAmAAAAZAAAABYAAABMAAAAAAAAAAAAAAAEAAAAAAAAAAEAAADu7OEKAAAAACgAAAAoAAAAZAAAAGQAAAAAAAAAzMzMAAAAAABQAAAAUAAAAGQAAABkAAAAAAAAABcAAAAUAAAAAAAAABkMAAD/fwAA/38AAAAAAAAJAAAABAAAAAAAAAAeAAAAaAAAAAAAAAAAAAAAAAAAAAAAAAAAAAAAECcAABAnAAAAAAAAAAAAAAAAAAAAAAAAAAAAAAAAAAAAAAAAAAAAABQAAAAAAAAAwMD/AAAAAABkAAAAMgAAAAAAAABkAAAAAAAAAH9/fwAKAAAAIgAAABgAAAAAAAAAAAAAAAAAAAAAAAAAAAAAAAAAAAAkAAAAJAAAAAAAAAAHAAAAAAAAAAAAAAAAAAAAAAAAAAAAAAAAAAAAf39/ACUAAABYAAAAAAAAAAAAAAAAAAAAAAAAAAAAAAAAAAAAAAAAAAAAAAAAAAAAAAAAAAAAAAA/AAAAAAAAAKCGAQAAAAAAAAAAAAAAAAAMAAAAAQAAAAAAAAAAAAAAAAAAAB8AAABUAAAAT4G9Bf///wEAAAAAAAAAAAAAAAAAAAAAAAAAAAAAAAAAAAAAAAAAAAAAAAJ/f38A7uzhA8zMzADAwP8Af39/AAAAAAAAAAAAAAAAAAAAAAAAAAAAIQAAABgAAAAUAAAAfAAAAOAMAACHGwAAUCcAAAAgAAAmAAAACAAAAP//////////"/>
               </a:ext>
             </a:extLst>
           </p:cNvSpPr>
@@ -10873,7 +10147,7 @@
           <p:cNvSpPr txBox="1">
             <a:extLst>
               <a:ext uri="smNativeData">
-                <pr:smNativeData xmlns:pr="smNativeData" xmlns="smNativeData" val="SMDATA_15_iunWYhMAAAAlAAAAEgAAAE8BAAAAkAAAAEgAAACQAAAASAAAAAAAAAAAAAAAAAAAAAEAAABQAAAAAAAAAAAA4D8AAAAAAADgPwAAAAAAAOA/AAAAAAAA4D8AAAAAAADgPwAAAAAAAOA/AAAAAAAA4D8AAAAAAADgPwAAAAAAAOA/AAAAAAAA4D8CAAAAjAAAAAAAAAAAAAAAT4G9DP///wgAAAAAAAAAAAAAAAAAAAAAAAAAAAAAAAAAAAAAZAAAAAEAAABAAAAAAAAAAAAAAAAAAAAAAAAAAAAAAAAAAAAAAAAAAAAAAAAAAAAAAAAAAAAAAAAAAAAAAAAAAAAAAAAAAAAAAAAAAAAAAAAAAAAAAAAAAAAAAAAAAAAAFAAAADwAAAAAAAAAAAAAAAAAAAkUAAAAAQAAABQAAAAUAAAAFAAAAAEAAAAAAAAAZAAAAGQAAAAAAAAAZAAAAGQAAAAVAAAAYAAAAAAAAAAAAAAADwAAACADAAAAAAAAAAAAAAEAAACgMgAAVgcAAKr4//8BAAAAf39/AAEAAABkAAAAAAAAABQAAABAHwAAAAAAACYAAAAAAAAAwOD//wAAAAAmAAAAZAAAABYAAABMAAAAAAAAAAAAAAAEAAAAAAAAAAEAAADu7OEKAAAAACgAAAAoAAAAZAAAAGQAAAAAAAAAzMzMAAAAAABQAAAAUAAAAGQAAABkAAAAAAAAABcAAAAUAAAAAAAAABkMAAD/fwAA/38AAAAAAAAJAAAABAAAAC8AAAAeAAAAaAAAAAAAAAAAAAAAAAAAAAAAAAAAAAAAECcAABAnAAAAAAAAAAAAAAAAAAAAAAAAAAAAAAAAAAAAAAAAAAAAABQAAAAAAAAAwMD/AAAAAABkAAAAMgAAAAAAAABkAAAAAAAAAH9/fwAKAAAAIgAAABgAAAAAAAAAAAAAAAAAAAAAAAAAAAAAAAAAAAAkAAAAJAAAAAAAAAAHAAAAAAAAAAAAAAAAAAAAAAAAAAAAAAAAAAAAf39/ACUAAABYAAAAAAAAAAAAAAAAAAAAAAAAAAAAAAAAAAAAAAAAAAAAAAAAAAAAAAAAAAAAAAA/AAAAAAAAAKCGAQAAAAAAAAAAAAAAAAAMAAAAAQAAAAAAAAAAAAAAAAAAAB8AAABUAAAAT4G9Bf///wEAAAAAAAAAAAAAAAAAAAAAAAAAAAAAAAAAAAAAAAAAAAAAAAJ/f38A7uzhA8zMzADAwP8Af39/AAAAAAAAAAAAAAAAAAAAAAAAAAAAIQAAABgAAAAUAAAAwRwAAEoFAABoNwAAmhUAAAAgAAAmAAAACAAAAP//////////"/>
+                <pr:smNativeData xmlns:pr="smNativeData" xmlns="smNativeData" val="SMDATA_15_0rbXYhMAAAAlAAAAEgAAAE8BAAAAkAAAAEgAAACQAAAASAAAAAAAAAAAAAAAAAAAAAEAAABQAAAAAAAAAAAA4D8AAAAAAADgPwAAAAAAAOA/AAAAAAAA4D8AAAAAAADgPwAAAAAAAOA/AAAAAAAA4D8AAAAAAADgPwAAAAAAAOA/AAAAAAAA4D8CAAAAjAAAAAAAAAAAAAAAT4G9DP///wgAAAAAAAAAAAAAAAAAAAAAAAAAAAAAAAAAAAAAZAAAAAEAAABAAAAAAAAAAAAAAAAAAAAAAAAAAAAAAAAAAAAAAAAAAAAAAAAAAAAAAAAAAAAAAAAAAAAAAAAAAAAAAAAAAAAAAAAAAAAAAAAAAAAAAAAAAAAAAAAAAAAAFAAAADwAAAAAAAAAAAAAAAAAAAkUAAAAAQAAABQAAAAUAAAAFAAAAAEAAAAAAAAAZAAAAGQAAAAAAAAAZAAAAGQAAAAVAAAAYAAAAAAAAAAAAAAADwAAACADAAAAAAAAAAAAAAEAAACgMgAAVgcAAKr4//8BAAAAf39/AAEAAABkAAAAAAAAABQAAABAHwAAAAAAACYAAAAAAAAAwOD//wAAAAAmAAAAZAAAABYAAABMAAAAAAAAAAAAAAAEAAAAAAAAAAEAAADu7OEKAAAAACgAAAAoAAAAZAAAAGQAAAAAAAAAzMzMAAAAAABQAAAAUAAAAGQAAABkAAAAAAAAABcAAAAUAAAAAAAAABkMAAD/fwAA/38AAAAAAAAJAAAABAAAAAAAAAAeAAAAaAAAAAAAAAAAAAAAAAAAAAAAAAAAAAAAECcAABAnAAAAAAAAAAAAAAAAAAAAAAAAAAAAAAAAAAAAAAAAAAAAABQAAAAAAAAAwMD/AAAAAABkAAAAMgAAAAAAAABkAAAAAAAAAH9/fwAKAAAAIgAAABgAAAAAAAAAAAAAAAAAAAAAAAAAAAAAAAAAAAAkAAAAJAAAAAAAAAAHAAAAAAAAAAAAAAAAAAAAAAAAAAAAAAAAAAAAf39/ACUAAABYAAAAAAAAAAAAAAAAAAAAAAAAAAAAAAAAAAAAAAAAAAAAAAAAAAAAAAAAAAAAAAA/AAAAAAAAAKCGAQAAAAAAAAAAAAAAAAAMAAAAAQAAAAAAAAAAAAAAAAAAAB8AAABUAAAAT4G9Bf///wEAAAAAAAAAAAAAAAAAAAAAAAAAAAAAAAAAAAAAAAAAAAAAAAJ/f38A7uzhA8zMzADAwP8Af39/AAAAAAAAAAAAAAAAAAAAAAAAAAAAIQAAABgAAAAUAAAAwRwAAEoFAABoNwAAmhUAAAAgAAAmAAAACAAAAP//////////"/>
               </a:ext>
             </a:extLst>
           </p:cNvSpPr>
@@ -11069,7 +10343,7 @@
           <p:cNvSpPr txBox="1">
             <a:extLst>
               <a:ext uri="smNativeData">
-                <pr:smNativeData xmlns:pr="smNativeData" xmlns="smNativeData" val="SMDATA_15_iunWYhMAAAAlAAAAEgAAAE8BAAAAkAAAAEgAAACQAAAASAAAAAAAAAAAAAAAAAAAAAEAAABQAAAAAAAAAAAA4D8AAAAAAADgPwAAAAAAAOA/AAAAAAAA4D8AAAAAAADgPwAAAAAAAOA/AAAAAAAA4D8AAAAAAADgPwAAAAAAAOA/AAAAAAAA4D8CAAAAjAAAAAAAAAAAAAAAT4G9DP///wgAAAAAAAAAAAAAAAAAAAAAAAAAAAAAAAAAAAAAZAAAAAEAAABAAAAAAAAAAAAAAAAAAAAAAAAAAAAAAAAAAAAAAAAAAAAAAAAAAAAAAAAAAAAAAAAAAAAAAAAAAAAAAAAAAAAAAAAAAAAAAAAAAAAAAAAAAAAAAAAAAAAAFAAAADwAAAAAAAAAAAAAAAAAAAkUAAAAAQAAABQAAAAUAAAAFAAAAAEAAAAAAAAAZAAAAGQAAAAAAAAAZAAAAGQAAAAVAAAAYAAAAAAAAAAAAAAADwAAACADAAAAAAAAAAAAAAEAAACgMgAAVgcAAKr4//8BAAAAf39/AAEAAABkAAAAAAAAABQAAABAHwAAAAAAACYAAAAAAAAAwOD//wAAAAAmAAAAZAAAABYAAABMAAAAAAAAAAAAAAAEAAAAAAAAAAEAAADu7OEKAAAAACgAAAAoAAAAZAAAAGQAAAAAAAAAzMzMAAAAAABQAAAAUAAAAGQAAABkAAAAAAAAABcAAAAUAAAAAAAAABkMAAD/fwAA/38AAAAAAAAJAAAABAAAAC8AAAAeAAAAaAAAAAAAAAAAAAAAAAAAAAAAAAAAAAAAECcAABAnAAAAAAAAAAAAAAAAAAAAAAAAAAAAAAAAAAAAAAAAAAAAABQAAAAAAAAAwMD/AAAAAABkAAAAMgAAAAAAAABkAAAAAAAAAH9/fwAKAAAAIgAAABgAAAAAAAAAAAAAAAAAAAAAAAAAAAAAAAAAAAAkAAAAJAAAAAAAAAAHAAAAAAAAAAAAAAAAAAAAAAAAAAAAAAAAAAAAf39/ACUAAABYAAAAAAAAAAAAAAAAAAAAAAAAAAAAAAAAAAAAAAAAAAAAAAAAAAAAAAAAAAAAAAA/AAAAAAAAAKCGAQAAAAAAAAAAAAAAAAAMAAAAAQAAAAAAAAAAAAAAAAAAAB8AAABUAAAAT4G9Bf///wEAAAAAAAAAAAAAAAAAAAAAAAAAAAAAAAAAAAAAAAAAAAAAAAJ/f38A7uzhA8zMzADAwP8Af39/AAAAAAAAAAAAAAAAAAAAAAAAAAAAIQAAABgAAAAUAAAA0RwAACEXAABYNwAAkSgAAAAgAAAmAAAACAAAAP//////////"/>
+                <pr:smNativeData xmlns:pr="smNativeData" xmlns="smNativeData" val="SMDATA_15_0rbXYhMAAAAlAAAAEgAAAE8BAAAAkAAAAEgAAACQAAAASAAAAAAAAAAAAAAAAAAAAAEAAABQAAAAAAAAAAAA4D8AAAAAAADgPwAAAAAAAOA/AAAAAAAA4D8AAAAAAADgPwAAAAAAAOA/AAAAAAAA4D8AAAAAAADgPwAAAAAAAOA/AAAAAAAA4D8CAAAAjAAAAAAAAAAAAAAAT4G9DP///wgAAAAAAAAAAAAAAAAAAAAAAAAAAAAAAAAAAAAAZAAAAAEAAABAAAAAAAAAAAAAAAAAAAAAAAAAAAAAAAAAAAAAAAAAAAAAAAAAAAAAAAAAAAAAAAAAAAAAAAAAAAAAAAAAAAAAAAAAAAAAAAAAAAAAAAAAAAAAAAAAAAAAFAAAADwAAAAAAAAAAAAAAAAAAAkUAAAAAQAAABQAAAAUAAAAFAAAAAEAAAAAAAAAZAAAAGQAAAAAAAAAZAAAAGQAAAAVAAAAYAAAAAAAAAAAAAAADwAAACADAAAAAAAAAAAAAAEAAACgMgAAVgcAAKr4//8BAAAAf39/AAEAAABkAAAAAAAAABQAAABAHwAAAAAAACYAAAAAAAAAwOD//wAAAAAmAAAAZAAAABYAAABMAAAAAAAAAAAAAAAEAAAAAAAAAAEAAADu7OEKAAAAACgAAAAoAAAAZAAAAGQAAAAAAAAAzMzMAAAAAABQAAAAUAAAAGQAAABkAAAAAAAAABcAAAAUAAAAAAAAABkMAAD/fwAA/38AAAAAAAAJAAAABAAAAD0iU00eAAAAaAAAAAAAAAAAAAAAAAAAAAAAAAAAAAAAECcAABAnAAAAAAAAAAAAAAAAAAAAAAAAAAAAAAAAAAAAAAAAAAAAABQAAAAAAAAAwMD/AAAAAABkAAAAMgAAAAAAAABkAAAAAAAAAH9/fwAKAAAAIgAAABgAAAAAAAAAAAAAAAAAAAAAAAAAAAAAAAAAAAAkAAAAJAAAAAAAAAAHAAAAAAAAAAAAAAAAAAAAAAAAAAAAAAAAAAAAf39/ACUAAABYAAAAAAAAAAAAAAAAAAAAAAAAAAAAAAAAAAAAAAAAAAAAAAAAAAAAAAAAAAAAAAA/AAAAAAAAAKCGAQAAAAAAAAAAAAAAAAAMAAAAAQAAAAAAAAAAAAAAAAAAAB8AAABUAAAAT4G9Bf///wEAAAAAAAAAAAAAAAAAAAAAAAAAAAAAAAAAAAAAAAAAAAAAAAJ/f38A7uzhA8zMzADAwP8Af39/AAAAAAAAAAAAAAAAAAAAAAAAAAAAIQAAABgAAAAUAAAA0RwAACEXAABYNwAAkSgAAAAgAAAmAAAACAAAAP//////////"/>
               </a:ext>
             </a:extLst>
           </p:cNvSpPr>
@@ -11253,206 +10527,6 @@
                 <a:cs typeface="Courier 10 Pitch" pitchFamily="1" charset="0"/>
               </a:defRPr>
             </a:pPr>
-          </a:p>
-        </p:txBody>
-      </p:sp>
-      <p:sp>
-        <p:nvSpPr>
-          <p:cNvPr id="7" name="CadreTexte5"/>
-          <p:cNvSpPr txBox="1">
-            <a:extLst>
-              <a:ext uri="smNativeData">
-                <pr:smNativeData xmlns:pr="smNativeData" xmlns="smNativeData" val="SMDATA_15_iunWYhMAAAAlAAAAEgAAAE8BAAAAkAAAAEgAAACQAAAASAAAAAAAAAAAAAAAAAAAAAEAAABQAAAAAAAAAAAA4D8AAAAAAADgPwAAAAAAAOA/AAAAAAAA4D8AAAAAAADgPwAAAAAAAOA/AAAAAAAA4D8AAAAAAADgPwAAAAAAAOA/AAAAAAAA4D8CAAAAjAAAAAEAAAAAAAAAH0l9C////wgAAAAAAAAAAAAAAAAAAAAAAAAAAAAAAAAAAAAAZAAAAAEAAABAAAAAAAAAAAAAAAAAAAAAAAAAAAAAAAAAAAAAAAAAAAAAAAAAAAAAAAAAAAAAAAAAAAAAAAAAAAAAAAAAAAAAAAAAAAAAAAAAAAAAAAAAAAAAAAAAAAAAFAAAADwAAAABAAAAAAAAAB9JfQsUAAAAAQAAABQAAAAUAAAAFAAAAAEAAAAAAAAAZAAAAGQAAAAAAAAAZAAAAGQAAAAVAAAAYAAAAAAAAAAAAAAADwAAACADAAAAAAAAAAAAAAEAAACgMgAAVgcAAKr4//8BAAAAf39/AAEAAABkAAAAAAAAABQAAABAHwAAAAAAACYAAAAAAAAAwOD//wAAAAAmAAAAZAAAABYAAABMAAAAAAAAAAAAAAAEAAAAAAAAAAEAAADu7OEKAAAAACgAAAAoAAAAZAAAAGQAAAAAAAAAzMzMAAAAAABQAAAAUAAAAGQAAABkAAAAAAAAABcAAAAUAAAAAAAAAJUIAAD/fwAA/38AAAAAAAAJAAAABAAAAAAAAAAeAAAAaAAAAAAAAAAAAAAAAAAAAAAAAAAAAAAAECcAABAnAAAAAAAAAAAAAAAAAAAAAAAAAAAAAAAAAAAAAAAAAAAAABQAAAAAAAAAwMD/AAAAAABkAAAAMgAAAAAAAABkAAAAAAAAAH9/fwAKAAAAIgAAABgAAAAAAAAAAAAAAAAAAAAAAAAAAAAAAAAAAAAkAAAAJAAAAAAAAAAHAAAAAAAAAAAAAAAAAAAAAAAAAAAAAAAAAAAAf39/ACUAAABYAAAAAAAAAAAAAAAAAAAAAAAAAAAAAAAAAAAAAAAAAAAAAAAAAAAAAAAAAAAAAAA/AAAAAAAAAKCGAQAAAAAAAAAAAAAAAAAMAAAAAQAAAAAAAAAAAAAAAAAAAB8AAABUAAAAH0l9BP///wEAAAAAAAAAAAAAAAAAAAAAAAAAAAAAAAAAAAAAAAAAAB9JfQR/f38A7uzhA8zMzADAwP8Af39/AAAAAAAAAAAAAAAAAAAAAAAAAAAAIQAAABgAAAAUAAAAewcAAH0GAACtFAAAjQsAAAAgAAAmAAAACAAAAP//////////"/>
-              </a:ext>
-            </a:extLst>
-          </p:cNvSpPr>
-          <p:nvPr/>
-        </p:nvSpPr>
-        <p:spPr>
-          <a:xfrm>
-            <a:off x="1216025" y="1054735"/>
-            <a:ext cx="2145030" cy="822960"/>
-          </a:xfrm>
-          <a:prstGeom prst="rect">
-            <a:avLst/>
-          </a:prstGeom>
-          <a:solidFill>
-            <a:schemeClr val="tx2"/>
-          </a:solidFill>
-          <a:ln w="12700" cap="flat" cmpd="sng" algn="ctr">
-            <a:solidFill>
-              <a:schemeClr val="tx2"/>
-            </a:solidFill>
-            <a:prstDash val="solid"/>
-            <a:headEnd type="none"/>
-            <a:tailEnd type="none"/>
-          </a:ln>
-          <a:effectLst/>
-        </p:spPr>
-        <p:txBody>
-          <a:bodyPr vert="horz" wrap="square" numCol="1" spcCol="215900" anchor="t"/>
-          <a:lstStyle/>
-          <a:p>
-            <a:pPr algn="ctr">
-              <a:defRPr lang="fr-fr" sz="4800" cap="none">
-                <a:solidFill>
-                  <a:schemeClr val="bg1"/>
-                </a:solidFill>
-              </a:defRPr>
-            </a:pPr>
-            <a:r>
-              <a:t>DATA</a:t>
-            </a:r>
-          </a:p>
-        </p:txBody>
-      </p:sp>
-      <p:sp>
-        <p:nvSpPr>
-          <p:cNvPr id="8" name="CadreTexte6"/>
-          <p:cNvSpPr txBox="1">
-            <a:extLst>
-              <a:ext uri="smNativeData">
-                <pr:smNativeData xmlns:pr="smNativeData" xmlns="smNativeData" val="SMDATA_15_iunWYhMAAAAlAAAAEgAAAE8BAAAAkAAAAEgAAACQAAAASAAAAAAAAAAAAAAAAAAAAAEAAABQAAAAAAAAAAAA4D8AAAAAAADgPwAAAAAAAOA/AAAAAAAA4D8AAAAAAADgPwAAAAAAAOA/AAAAAAAA4D8AAAAAAADgPwAAAAAAAOA/AAAAAAAA4D8CAAAAjAAAAAEAAAAAAAAAwFBNDf///wgAAAAAAAAAAAAAAAAAAAAAAAAAAAAAAAAAAAAAZAAAAAEAAABAAAAAAAAAAAAAAAAAAAAAAAAAAAAAAAAAAAAAAAAAAAAAAAAAAAAAAAAAAAAAAAAAAAAAAAAAAAAAAAAAAAAAAAAAAAAAAAAAAAAAAAAAAAAAAAAAAAAAFAAAADwAAAABAAAAAAAAAMBQTQ0UAAAAAQAAABQAAAAUAAAAFAAAAAEAAAAAAAAAZAAAAGQAAAAAAAAAZAAAAGQAAAAVAAAAYAAAAAAAAAAAAAAADwAAACADAAAAAAAAAAAAAAEAAACgMgAAVgcAAKr4//8BAAAAf39/AAEAAABkAAAAAAAAABQAAABAHwAAAAAAACYAAAAAAAAAwOD//wAAAAAmAAAAZAAAABYAAABMAAAAAAAAAAAAAAAEAAAAAAAAAAEAAADu7OEKAAAAACgAAAAoAAAAZAAAAGQAAAAAAAAAzMzMAAAAAABQAAAAUAAAAGQAAABkAAAAAAAAABcAAAAUAAAAAAAAAJUIAAD/fwAA/38AAAAAAAAJAAAABAAAAC8AAAAeAAAAaAAAAAAAAAAAAAAAAAAAAAAAAAAAAAAAECcAABAnAAAAAAAAAAAAAAAAAAAAAAAAAAAAAAAAAAAAAAAAAAAAABQAAAAAAAAAwMD/AAAAAABkAAAAMgAAAAAAAABkAAAAAAAAAH9/fwAKAAAAIgAAABgAAAAAAAAAAAAAAAAAAAAAAAAAAAAAAAAAAAAkAAAAJAAAAAAAAAAHAAAAAAAAAAAAAAAAAAAAAAAAAAAAAAAAAAAAf39/ACUAAABYAAAAAAAAAAAAAAAAAAAAAAAAAAAAAAAAAAAAAAAAAAAAAAAAAAAAAAAAAAAAAAA/AAAAAAAAAKCGAQAAAAAAAAAAAAAAAAAMAAAAAQAAAAAAAAAAAAAAAAAAAB8AAABUAAAAwFBNBv///wEAAAAAAAAAAAAAAAAAAAAAAAAAAAAAAAAAAAAAAAAAAMBQTQZ/f38A7uzhA8zMzADAwP8Af39/AAAAAAAAAAAAAAAAAAAAAAAAAAAAIQAAABgAAAAUAAAApwYAAOwbAABdFgAA/CAAAAAgAAAmAAAACAAAAP//////////"/>
-              </a:ext>
-            </a:extLst>
-          </p:cNvSpPr>
-          <p:nvPr/>
-        </p:nvSpPr>
-        <p:spPr>
-          <a:xfrm>
-            <a:off x="1081405" y="4538980"/>
-            <a:ext cx="2553970" cy="822960"/>
-          </a:xfrm>
-          <a:prstGeom prst="rect">
-            <a:avLst/>
-          </a:prstGeom>
-          <a:solidFill>
-            <a:schemeClr val="accent2"/>
-          </a:solidFill>
-          <a:ln w="12700" cap="flat" cmpd="sng" algn="ctr">
-            <a:solidFill>
-              <a:schemeClr val="accent2"/>
-            </a:solidFill>
-            <a:prstDash val="solid"/>
-            <a:headEnd type="none"/>
-            <a:tailEnd type="none"/>
-          </a:ln>
-          <a:effectLst/>
-        </p:spPr>
-        <p:txBody>
-          <a:bodyPr vert="horz" wrap="square" numCol="1" spcCol="215900" anchor="t"/>
-          <a:lstStyle/>
-          <a:p>
-            <a:pPr algn="ctr">
-              <a:defRPr lang="fr-fr" sz="4800" cap="none">
-                <a:solidFill>
-                  <a:schemeClr val="bg1"/>
-                </a:solidFill>
-              </a:defRPr>
-            </a:pPr>
-            <a:r>
-              <a:t>MODEL</a:t>
-            </a:r>
-          </a:p>
-        </p:txBody>
-      </p:sp>
-      <p:sp>
-        <p:nvSpPr>
-          <p:cNvPr id="9" name="CadreTexte7"/>
-          <p:cNvSpPr txBox="1">
-            <a:extLst>
-              <a:ext uri="smNativeData">
-                <pr:smNativeData xmlns:pr="smNativeData" xmlns="smNativeData" val="SMDATA_15_iunWYhMAAAAlAAAAEgAAAE8BAAAAkAAAAEgAAACQAAAASAAAAAAAAAAAAAAAAAAAAAEAAABQAAAAAAAAAAAA4D8AAAAAAADgPwAAAAAAAOA/AAAAAAAA4D8AAAAAAADgPwAAAAAAAOA/AAAAAAAA4D8AAAAAAADgPwAAAAAAAOA/AAAAAAAA4D8CAAAAjAAAAAEAAAAAAAAAgGSiAP///wgAAAAAAAAAAAAAAAAAAAAAAAAAAAAAAAAAAAAAZAAAAAEAAABAAAAAAAAAAAAAAAAAAAAAAAAAAAAAAAAAAAAAAAAAAAAAAAAAAAAAAAAAAAAAAAAAAAAAAAAAAAAAAAAAAAAAAAAAAAAAAAAAAAAAAAAAAAAAAAAAAAAAFAAAADwAAAABAAAAAAAAAIBkogAUAAAAAQAAABQAAAAUAAAAFAAAAAEAAAAAAAAAZAAAAGQAAAAAAAAAZAAAAGQAAAAVAAAAYAAAAAAAAAAAAAAADwAAACADAAAAAAAAAAAAAAEAAACgMgAAVgcAAKr4//8BAAAAf39/AAEAAABkAAAAAAAAABQAAABAHwAAAAAAACYAAAAAAAAAwOD//wAAAAAmAAAAZAAAABYAAABMAAAAAAAAAAAAAAAEAAAAAAAAAAEAAADu7OEKAAAAACgAAAAoAAAAZAAAAGQAAAAAAAAAzMzMAAAAAABQAAAAUAAAAGQAAABkAAAAAAAAABcAAAAUAAAAAAAAAJUIAAD/fwAA/38AAAAAAAAJAAAABAAAAC8AAAAeAAAAaAAAAAAAAAAAAAAAAAAAAAAAAAAAAAAAECcAABAnAAAAAAAAAAAAAAAAAAAAAAAAAAAAAAAAAAAAAAAAAAAAABQAAAAAAAAAwMD/AAAAAABkAAAAMgAAAAAAAABkAAAAAAAAAH9/fwAKAAAAIgAAABgAAAAAAAAAAAAAAAAAAAAAAAAAAAAAAAAAAAAkAAAAJAAAAAAAAAAHAAAAAAAAAAAAAAAAAAAAAAAAAAAAAAAAAAAAf39/ACUAAABYAAAAAAAAAAAAAAAAAAAAAAAAAAAAAAAAAAAAAAAAAAAAAAAAAAAAAAAAAAAAAAA/AAAAAAAAAKCGAQAAAAAAAAAAAAAAAAAMAAAAAQAAAAAAAAAAAAAAAAAAAB8AAABUAAAAgGSiCv///wEAAAAAAAAAAAAAAAAAAAAAAAAAAAAAAAAAAAAAAAAAAIBkogp/f38A7uzhA8zMzADAwP8Af39/AAAAAAAAAAAAAAAAAAAAAAAAAAAAIQAAABgAAAAUAAAAXiIAAGwGAADrMQAAfAsAAAAgAAAmAAAACAAAAP//////////"/>
-              </a:ext>
-            </a:extLst>
-          </p:cNvSpPr>
-          <p:nvPr/>
-        </p:nvSpPr>
-        <p:spPr>
-          <a:xfrm>
-            <a:off x="5586730" y="1043940"/>
-            <a:ext cx="2527935" cy="822960"/>
-          </a:xfrm>
-          <a:prstGeom prst="rect">
-            <a:avLst/>
-          </a:prstGeom>
-          <a:solidFill>
-            <a:schemeClr val="accent4"/>
-          </a:solidFill>
-          <a:ln w="12700" cap="flat" cmpd="sng" algn="ctr">
-            <a:solidFill>
-              <a:schemeClr val="accent4"/>
-            </a:solidFill>
-            <a:prstDash val="solid"/>
-            <a:headEnd type="none"/>
-            <a:tailEnd type="none"/>
-          </a:ln>
-          <a:effectLst/>
-        </p:spPr>
-        <p:txBody>
-          <a:bodyPr vert="horz" wrap="square" numCol="1" spcCol="215900" anchor="t"/>
-          <a:lstStyle/>
-          <a:p>
-            <a:pPr algn="ctr">
-              <a:defRPr lang="fr-fr" sz="4800" cap="none">
-                <a:solidFill>
-                  <a:schemeClr val="bg1"/>
-                </a:solidFill>
-              </a:defRPr>
-            </a:pPr>
-            <a:r>
-              <a:t>MOVES</a:t>
-            </a:r>
-          </a:p>
-        </p:txBody>
-      </p:sp>
-      <p:sp>
-        <p:nvSpPr>
-          <p:cNvPr id="10" name="CadreTexte8"/>
-          <p:cNvSpPr txBox="1">
-            <a:extLst>
-              <a:ext uri="smNativeData">
-                <pr:smNativeData xmlns:pr="smNativeData" xmlns="smNativeData" val="SMDATA_15_iunWYhMAAAAlAAAAEgAAAE8BAAAAkAAAAEgAAACQAAAASAAAAAAAAAAAAAAAAAAAAAEAAABQAAAAAAAAAAAA4D8AAAAAAADgPwAAAAAAAOA/AAAAAAAA4D8AAAAAAADgPwAAAAAAAOA/AAAAAAAA4D8AAAAAAADgPwAAAAAAAOA/AAAAAAAA4D8CAAAAjAAAAAEAAAAAAAAAAH8AAP///wgAAAAAAAAAAAAAAAAAAAAAAAAAAAAAAAAAAAAAZAAAAAEAAABAAAAAAAAAAAAAAAAAAAAAAAAAAAAAAAAAAAAAAAAAAAAAAAAAAAAAAAAAAAAAAAAAAAAAAAAAAAAAAAAAAAAAAAAAAAAAAAAAAAAAAAAAAAAAAAAAAAAAFAAAADwAAAABAAAAAAAAAAB/AAAUAAAAAQAAABQAAAAUAAAAFAAAAAEAAAAAAAAAZAAAAGQAAAAAAAAAZAAAAGQAAAAVAAAAYAAAAAAAAAAAAAAADwAAACADAAAAAAAAAAAAAAEAAACgMgAAVgcAAKr4//8BAAAAf39/AAEAAABkAAAAAAAAABQAAABAHwAAAAAAACYAAAAAAAAAwOD//wAAAAAmAAAAZAAAABYAAABMAAAAAAAAAAAAAAAEAAAAAAAAAAEAAADu7OEKAAAAACgAAAAoAAAAZAAAAGQAAAAAAAAAzMzMAAAAAABQAAAAUAAAAGQAAABkAAAAAAAAABcAAAAUAAAAAAAAAJUIAAD/fwAA/38AAAAAAAAJAAAABAAAAC8AAAAeAAAAaAAAAAAAAAAAAAAAAAAAAAAAAAAAAAAAECcAABAnAAAAAAAAAAAAAAAAAAAAAAAAAAAAAAAAAAAAAAAAAAAAABQAAAAAAAAAwMD/AAAAAABkAAAAMgAAAAAAAABkAAAAAAAAAH9/fwAKAAAAIgAAABgAAAAAAAAAAAAAAAAAAAAAAAAAAAAAAAAAAAAkAAAAJAAAAAAAAAAHAAAAAAAAAAAAAAAAAAAAAAAAAAAAAAAAAAAAf39/ACUAAABYAAAAAAAAAAAAAAAAAAAAAAAAAAAAAAAAAAAAAAAAAAAAAAAAAAAAAAAAAAAAAAA/AAAAAAAAAKCGAQAAAAAAAAAAAAAAAAAMAAAAAQAAAAAAAAAAAAAAAAAAAB8AAABUAAAAAH8AAP///wEAAAAAAAAAAAAAAAAAAAAAAAAAAAAAAAAAAAAAAAAAAAB/AAB/f38A7uzhA8zMzADAwP8Af39/AAAAAAAAAAAAAAAAAAAAAAAAAAAAIQAAABgAAAAUAAAATSIAANcbAADaMQAA5yAAAAAgAAAmAAAACAAAAP//////////"/>
-              </a:ext>
-            </a:extLst>
-          </p:cNvSpPr>
-          <p:nvPr/>
-        </p:nvSpPr>
-        <p:spPr>
-          <a:xfrm>
-            <a:off x="5575935" y="4525645"/>
-            <a:ext cx="2527935" cy="822960"/>
-          </a:xfrm>
-          <a:prstGeom prst="rect">
-            <a:avLst/>
-          </a:prstGeom>
-          <a:solidFill>
-            <a:srgbClr val="007F00"/>
-          </a:solidFill>
-          <a:ln w="12700" cap="flat" cmpd="sng" algn="ctr">
-            <a:solidFill>
-              <a:srgbClr val="007F00"/>
-            </a:solidFill>
-            <a:prstDash val="solid"/>
-            <a:headEnd type="none"/>
-            <a:tailEnd type="none"/>
-          </a:ln>
-          <a:effectLst/>
-        </p:spPr>
-        <p:txBody>
-          <a:bodyPr vert="horz" wrap="square" numCol="1" spcCol="215900" anchor="t"/>
-          <a:lstStyle/>
-          <a:p>
-            <a:pPr algn="ctr">
-              <a:defRPr lang="fr-fr" sz="4800" cap="none">
-                <a:solidFill>
-                  <a:schemeClr val="bg1"/>
-                </a:solidFill>
-              </a:defRPr>
-            </a:pPr>
-            <a:r>
-              <a:t>MCMC</a:t>
-            </a:r>
           </a:p>
         </p:txBody>
       </p:sp>
@@ -11495,7 +10569,7 @@
             <a:spLocks noGrp="1" noChangeArrowheads="1"/>
             <a:extLst>
               <a:ext uri="smNativeData">
-                <pr:smNativeData xmlns:pr="smNativeData" xmlns="smNativeData" val="SMDATA_15_iunWYhMAAAAlAAAAZAAAAA0AAAAAkAAAAEgAAACQAAAASAAAAAAAAAABAAAAAAAAAAEAAABQAAAAAAAAAAAA4D8AAAAAAADgPwAAAAAAAOA/AAAAAAAA4D8AAAAAAADgPwAAAAAAAOA/AAAAAAAA4D8AAAAAAADgPwAAAAAAAOA/AAAAAAAA4D8CAAAAjAAAAAAAAAAAAAAAT4G9DP///wgAAAAAAAAAAAAAAAAAAAAAAAAAAAAAAAAAAAAAZAAAAAEAAABAAAAAAAAAAAAAAAAAAAAAAAAAAAAAAAAAAAAAAAAAAAAAAAAAAAAAAAAAAAAAAAAAAAAAAAAAAAAAAAAAAAAAAAAAAAAAAAAAAAAAAAAAAAAAAAAAAAAAFAAAADwAAAAAAAAAAAAAAAAAAAkUAAAAAQAAABQAAAAUAAAAFAAAAAEAAAAAAAAAZAAAAGQAAAAAAAAAZAAAAGQAAAAVAAAAYAAAAAAAAAAAAAAADwAAACADAAAAAAAAAAAAAAEAAACgMgAAVgcAAKr4//8BAAAAf39/AAEAAABkAAAAAAAAABQAAABAHwAAAAAAACYAAAAAAAAAwOD//wAAAAAmAAAAZAAAABYAAABMAAAAAAAAAAAAAAAEAAAAAAAAAAEAAADu7OEKAAAAACgAAAAoAAAAZAAAAGQAAAAAAAAAzMzMAAAAAABQAAAAUAAAAGQAAABkAAAAAAAAABcAAAAUAAAAAAAAAAAAAAD/fwAA/38AAAAAAAAJAAAABAAAAAAEAAAeAAAAaAAAAAAAAAAAAAAAAAAAAAAAAAAAAAAAECcAABAnAAAAAAAAAAAAAAAAAAAAAAAAAAAAAAAAAAAAAAAAAAAAABQAAAAAAAAAwMD/AAAAAABkAAAAMgAAAAAAAABkAAAAAAAAAH9/fwAKAAAAIgAAABgAAAAAAAAAAAAAAAAAAAAAAAAAAAAAAAAAAAAkAAAAJAAAAAAAAAAHAAAAAAAAAAAAAAAAAAAAAAAAAAAAAAAAAAAAf39/ACUAAABYAAAAAAAAAAAAAAAAAAAAAAAAAAAAAAAAAAAAAAAAAAAAAAAAAAAAAAAAAAAAAAA/AAAAAAAAAKCGAQAAAAAAAAAAAAAAAAAMAAAAAQAAAAAAAAAAAAAAAAAAAB8AAABUAAAAT4G9Bf///wEAAAAAAAAAAAAAAAAAAAAAAAAAAAAAAAAAAAAAAAAAAAAAAAJ/f38A7uzhA8zMzADAwP8Af39/AAAAAAAAAAAAAAAAAAAAAAAAAAAAIQAAABgAAAAUAAAA0AIAALEBAABwNQAAuQgAAAAAAAAmAAAACAAAAAEAAAAAAAAA"/>
+                <pr:smNativeData xmlns:pr="smNativeData" xmlns="smNativeData" val="SMDATA_15_0rbXYhMAAAAlAAAAZAAAAA0AAAAAkAAAAEgAAACQAAAASAAAAAAAAAABAAAAAAAAAAEAAABQAAAAAAAAAAAA4D8AAAAAAADgPwAAAAAAAOA/AAAAAAAA4D8AAAAAAADgPwAAAAAAAOA/AAAAAAAA4D8AAAAAAADgPwAAAAAAAOA/AAAAAAAA4D8CAAAAjAAAAAAAAAAAAAAAT4G9DP///wgAAAAAAAAAAAAAAAAAAAAAAAAAAAAAAAAAAAAAZAAAAAEAAABAAAAAAAAAAAAAAAAAAAAAAAAAAAAAAAAAAAAAAAAAAAAAAAAAAAAAAAAAAAAAAAAAAAAAAAAAAAAAAAAAAAAAAAAAAAAAAAAAAAAAAAAAAAAAAAAAAAAAFAAAADwAAAAAAAAAAAAAAAAAAAkUAAAAAQAAABQAAAAUAAAAFAAAAAEAAAAAAAAAZAAAAGQAAAAAAAAAZAAAAGQAAAAVAAAAYAAAAAAAAAAAAAAADwAAACADAAAAAAAAAAAAAAEAAACgMgAAVgcAAKr4//8BAAAAf39/AAEAAABkAAAAAAAAABQAAABAHwAAAAAAACYAAAAAAAAAwOD//wAAAAAmAAAAZAAAABYAAABMAAAAAAAAAAAAAAAEAAAAAAAAAAEAAADu7OEKAAAAACgAAAAoAAAAZAAAAGQAAAAAAAAAzMzMAAAAAABQAAAAUAAAAGQAAABkAAAAAAAAABcAAAAUAAAAAAAAAAAAAAD/fwAA/38AAAAAAAAJAAAABAAAAD7o2aweAAAAaAAAAAAAAAAAAAAAAAAAAAAAAAAAAAAAECcAABAnAAAAAAAAAAAAAAAAAAAAAAAAAAAAAAAAAAAAAAAAAAAAABQAAAAAAAAAwMD/AAAAAABkAAAAMgAAAAAAAABkAAAAAAAAAH9/fwAKAAAAIgAAABgAAAAAAAAAAAAAAAAAAAAAAAAAAAAAAAAAAAAkAAAAJAAAAAAAAAAHAAAAAAAAAAAAAAAAAAAAAAAAAAAAAAAAAAAAf39/ACUAAABYAAAAAAAAAAAAAAAAAAAAAAAAAAAAAAAAAAAAAAAAAAAAAAAAAAAAAAAAAAAAAAA/AAAAAAAAAKCGAQAAAAAAAAAAAAAAAAAMAAAAAQAAAAAAAAAAAAAAAAAAAB8AAABUAAAAT4G9Bf///wEAAAAAAAAAAAAAAAAAAAAAAAAAAAAAAAAAAAAAAAAAAAAAAAJ/f38A7uzhA8zMzADAwP8Af39/AAAAAAAAAAAAAAAAAAAAAAAAAAAAIQAAABgAAAAUAAAA0AIAALcAAABwNQAA1gMAAAAAAAAmAAAACAAAAAEAAAAAAAAA"/>
               </a:ext>
             </a:extLst>
           </p:cNvSpPr>
@@ -11505,8 +10579,8 @@
         </p:nvSpPr>
         <p:spPr>
           <a:xfrm>
-            <a:off x="457200" y="274955"/>
-            <a:ext cx="8229600" cy="1143000"/>
+            <a:off x="457200" y="116205"/>
+            <a:ext cx="8229600" cy="507365"/>
           </a:xfrm>
         </p:spPr>
         <p:txBody>
@@ -11514,166 +10588,1049 @@
           <a:lstStyle/>
           <a:p>
             <a:pPr>
-              <a:defRPr lang="fr-fr"/>
-            </a:pPr>
-            <a:r>
-              <a:t>Advice on organizing an analysis</a:t>
+              <a:defRPr lang="fr-fr" sz="3600" cap="none"/>
+            </a:pPr>
+            <a:r>
+              <a:t>Anatomy of a phylogenetic MCMC analysis</a:t>
             </a:r>
           </a:p>
         </p:txBody>
       </p:sp>
       <p:sp>
         <p:nvSpPr>
-          <p:cNvPr id="3" name="TexteDiapositive1"/>
-          <p:cNvSpPr>
-            <a:spLocks noGrp="1" noChangeArrowheads="1"/>
-            <a:extLst>
-              <a:ext uri="smNativeData">
-                <pr:smNativeData xmlns:pr="smNativeData" xmlns="smNativeData" val="SMDATA_15_iunWYhMAAAAlAAAAZAAAAA0AAAAAkAAAAEgAAACQAAAASAAAAAAAAAAAAAAAAAAAAAEAAABQAAAAAAAAAAAA4D8AAAAAAADgPwAAAAAAAOA/AAAAAAAA4D8AAAAAAADgPwAAAAAAAOA/AAAAAAAA4D8AAAAAAADgPwAAAAAAAOA/AAAAAAAA4D8CAAAAjAAAAAAAAAAAAAAAT4G9DP///wgAAAAAAAAAAAAAAAAAAAAAAAAAAAAAAAAAAAAAZAAAAAEAAABAAAAAAAAAAAAAAAAAAAAAAAAAAAAAAAAAAAAAAAAAAAAAAAAAAAAAAAAAAAAAAAAAAAAAAAAAAAAAAAAAAAAAAAAAAAAAAAAAAAAAAAAAAAAAAAAAAAAAFAAAADwAAAAAAAAAAAAAAAAAAAkUAAAAAQAAABQAAAAUAAAAFAAAAAEAAAAAAAAAZAAAAGQAAAAAAAAAZAAAAGQAAAAVAAAAYAAAAAAAAAAAAAAADwAAACADAAAAAAAAAAAAAAEAAACgMgAAVgcAAKr4//8BAAAAf39/AAEAAABkAAAAAAAAABQAAABAHwAAAAAAACYAAAAAAAAAwOD//wAAAAAmAAAAZAAAABYAAABMAAAAAAAAAAAAAAAEAAAAAAAAAAEAAADu7OEKAAAAACgAAAAoAAAAZAAAAGQAAAAAAAAAzMzMAAAAAABQAAAAUAAAAGQAAABkAAAAAAAAABcAAAAUAAAAAAAAAAAAAAD/fwAA/38AAAAAAAAJAAAABAAAAICMyTEeAAAAaAAAAAAAAAAAAAAAAAAAAAAAAAAAAAAAECcAABAnAAAAAAAAAAAAAAAAAAAAAAAAAAAAAAAAAAAAAAAAAAAAABQAAAAAAAAAwMD/AAAAAABkAAAAMgAAAAAAAABkAAAAAAAAAH9/fwAKAAAAIgAAABgAAAAAAAAAAAAAAAAAAAAAAAAAAAAAAAAAAAAkAAAAJAAAAAAAAAAHAAAAAAAAAAAAAAAAAAAAAAAAAAAAAAAAAAAAf39/ACUAAABYAAAAAAAAAAAAAAAAAAAAAAAAAAAAAAAAAAAAAAAAAAAAAAAAAAAAAAAAAAAAAAA/AAAAAAAAAKCGAQAAAAAAAAAAAAAAAAAMAAAAAQAAAAAAAAAAAAAAAAAAAB8AAABUAAAAT4G9Bf///wEAAAAAAAAAAAAAAAAAAAAAAAAAAAAAAAAAAAAAAAAAAAAAAAJ/f38A7uzhA8zMzADAwP8Af39/AAAAAAAAAAAAAAAAAAAAAAAAAAAAIQAAABgAAAAUAAAA0AIAANgJAABwNQAAsCUAAAAAAAAmAAAACAAAAAEAAAAAAAAA"/>
+          <p:cNvPr id="3" name="CadreTexte1"/>
+          <p:cNvSpPr txBox="1">
+            <a:extLst>
+              <a:ext uri="smNativeData">
+                <pr:smNativeData xmlns:pr="smNativeData" xmlns="smNativeData" val="SMDATA_15_0rbXYhMAAAAlAAAAEgAAAE8BAAAAkAAAAEgAAACQAAAASAAAAAAAAAAAAAAAAAAAAAEAAABQAAAAAAAAAAAA4D8AAAAAAADgPwAAAAAAAOA/AAAAAAAA4D8AAAAAAADgPwAAAAAAAOA/AAAAAAAA4D8AAAAAAADgPwAAAAAAAOA/AAAAAAAA4D8CAAAAjAAAAAAAAAAAAAAAT4G9DP///wgAAAAAAAAAAAAAAAAAAAAAAAAAAAAAAAAAAAAAZAAAAAEAAABAAAAAAAAAAAAAAAAAAAAAAAAAAAAAAAAAAAAAAAAAAAAAAAAAAAAAAAAAAAAAAAAAAAAAAAAAAAAAAAAAAAAAAAAAAAAAAAAAAAAAAAAAAAAAAAAAAAAAFAAAADwAAAAAAAAAAAAAAAAAAAkUAAAAAQAAABQAAAAUAAAAFAAAAAEAAAAAAAAAZAAAAGQAAAAAAAAAZAAAAGQAAAAVAAAAYAAAAAAAAAAAAAAADwAAACADAAAAAAAAAAAAAAEAAACgMgAAVgcAAKr4//8BAAAAf39/AAEAAABkAAAAAAAAABQAAABAHwAAAAAAACYAAAAAAAAAwOD//wAAAAAmAAAAZAAAABYAAABMAAAAAAAAAAAAAAAEAAAAAAAAAAEAAADu7OEKAAAAACgAAAAoAAAAZAAAAGQAAAAAAAAAzMzMAAAAAABQAAAAUAAAAGQAAABkAAAAAAAAABcAAAAUAAAAAAAAABkMAAD/fwAA/38AAAAAAAAJAAAABAAAAAAAAAAeAAAAaAAAAAAAAAAAAAAAAAAAAAAAAAAAAAAAECcAABAnAAAAAAAAAAAAAAAAAAAAAAAAAAAAAAAAAAAAAAAAAAAAABQAAAAAAAAAwMD/AAAAAABkAAAAMgAAAAAAAABkAAAAAAAAAH9/fwAKAAAAIgAAABgAAAAAAAAAAAAAAAAAAAAAAAAAAAAAAAAAAAAkAAAAJAAAAAAAAAAHAAAAAAAAAAAAAAAAAAAAAAAAAAAAAAAAAAAAf39/ACUAAABYAAAAAAAAAAAAAAAAAAAAAAAAAAAAAAAAAAAAAAAAAAAAAAAAAAAAAAAAAAAAAAA/AAAAAAAAAKCGAQAAAAAAAAAAAAAAAAAMAAAAAQAAAAAAAAAAAAAAAAAAAB8AAABUAAAAT4G9Bf///wEAAAAAAAAAAAAAAAAAAAAAAAAAAAAAAAAAAAAAAAAAAAAAAAJ/f38A7uzhA8zMzADAwP8Af39/AAAAAAAAAAAAAAAAAAAAAAAAAAAAIQAAABgAAAAUAAAAfAAAAEIFAAB2GwAAkgwAAAAgAAAmAAAACAAAAP//////////"/>
               </a:ext>
             </a:extLst>
           </p:cNvSpPr>
-          <p:nvPr>
-            <p:ph type="body" idx="1"/>
-          </p:nvPr>
+          <p:nvPr/>
         </p:nvSpPr>
         <p:spPr>
           <a:xfrm>
-            <a:off x="457200" y="1600200"/>
-            <a:ext cx="8229600" cy="4526280"/>
+            <a:off x="78740" y="854710"/>
+            <a:ext cx="4385310" cy="1188720"/>
           </a:xfrm>
+          <a:prstGeom prst="rect">
+            <a:avLst/>
+          </a:prstGeom>
+          <a:noFill/>
+          <a:ln>
+            <a:noFill/>
+          </a:ln>
+          <a:effectLst/>
         </p:spPr>
         <p:txBody>
-          <a:bodyPr/>
+          <a:bodyPr vert="horz" wrap="square" numCol="1" spcCol="215900" anchor="t"/>
           <a:lstStyle/>
           <a:p>
             <a:pPr>
-              <a:defRPr lang="fr-fr"/>
-            </a:pPr>
-            <a:r>
-              <a:t>create a folder for the analysis</a:t>
-            </a:r>
-          </a:p>
-          <a:p>
-            <a:pPr>
-              <a:defRPr lang="fr-fr"/>
-            </a:pPr>
-            <a:r>
-              <a:t>put data in a folder « </a:t>
-            </a:r>
-            <a:r>
-              <a:rPr lang="fr-fr" cap="none">
-                <a:latin typeface="Courier 10 Pitch" pitchFamily="1" charset="0"/>
-                <a:ea typeface="Courier 10 Pitch" pitchFamily="1" charset="0"/>
-                <a:cs typeface="Courier 10 Pitch" pitchFamily="1" charset="0"/>
-              </a:rPr>
-              <a:t>data</a:t>
-            </a:r>
-            <a:r>
-              <a:t> »</a:t>
-            </a:r>
-          </a:p>
-          <a:p>
-            <a:pPr>
-              <a:defRPr lang="fr-fr"/>
-            </a:pPr>
-            <a:r>
-              <a:t>put the scripts in a folder « </a:t>
-            </a:r>
-            <a:r>
-              <a:rPr lang="fr-fr" cap="none">
-                <a:latin typeface="Courier 10 Pitch" pitchFamily="1" charset="0"/>
-                <a:ea typeface="Courier 10 Pitch" pitchFamily="1" charset="0"/>
-                <a:cs typeface="Courier 10 Pitch" pitchFamily="1" charset="0"/>
-              </a:rPr>
-              <a:t>scripts</a:t>
-            </a:r>
-            <a:r>
-              <a:t> »</a:t>
-            </a:r>
-          </a:p>
-          <a:p>
-            <a:pPr>
-              <a:defRPr lang="fr-fr"/>
-            </a:pPr>
-            <a:r>
-              <a:t>store the output files in « </a:t>
-            </a:r>
-            <a:r>
-              <a:rPr lang="fr-fr" cap="none">
-                <a:latin typeface="Courier 10 Pitch" pitchFamily="1" charset="0"/>
-                <a:ea typeface="Courier 10 Pitch" pitchFamily="1" charset="0"/>
-                <a:cs typeface="Courier 10 Pitch" pitchFamily="1" charset="0"/>
-              </a:rPr>
-              <a:t>analyses</a:t>
-            </a:r>
-            <a:r>
-              <a:t> » or « </a:t>
-            </a:r>
-            <a:r>
-              <a:rPr lang="fr-fr" cap="none">
-                <a:latin typeface="Courier 10 Pitch" pitchFamily="1" charset="0"/>
-                <a:ea typeface="Courier 10 Pitch" pitchFamily="1" charset="0"/>
-                <a:cs typeface="Courier 10 Pitch" pitchFamily="1" charset="0"/>
-              </a:rPr>
-              <a:t>output</a:t>
-            </a:r>
-            <a:r>
-              <a:t> »</a:t>
-            </a:r>
-          </a:p>
-          <a:p>
-            <a:pPr>
-              <a:defRPr lang="fr-fr"/>
-            </a:pPr>
-            <a:r>
-              <a:t>to run an analysis : </a:t>
-            </a:r>
-          </a:p>
-          <a:p>
-            <a:pPr marL="0" indent="0">
-              <a:buNone/>
-              <a:defRPr lang="fr-fr" cap="none">
-                <a:latin typeface="Courier 10 Pitch" pitchFamily="1" charset="0"/>
-                <a:ea typeface="Courier 10 Pitch" pitchFamily="1" charset="0"/>
-                <a:cs typeface="Courier 10 Pitch" pitchFamily="1" charset="0"/>
-              </a:defRPr>
-            </a:pPr>
-            <a:r>
-              <a:t>		rb scripts/myscript.rev</a:t>
-            </a:r>
-          </a:p>
-          <a:p>
-            <a:pPr>
-              <a:buFont typeface="Wingdings" pitchFamily="2" charset="2"/>
-              <a:buChar char=""/>
-              <a:defRPr lang="fr-fr" cap="none">
-                <a:latin typeface="Calibri" pitchFamily="2" charset="0"/>
-                <a:ea typeface="Calibri" pitchFamily="2" charset="0"/>
-                <a:cs typeface="Calibri" pitchFamily="2" charset="0"/>
-              </a:defRPr>
-            </a:pPr>
-            <a:r>
-              <a:t>or, from within rb :</a:t>
-            </a:r>
-          </a:p>
-          <a:p>
-            <a:pPr marL="0" indent="0">
-              <a:buNone/>
-              <a:defRPr lang="fr-fr" cap="none">
-                <a:latin typeface="Courier 10 Pitch" pitchFamily="1" charset="0"/>
-                <a:ea typeface="Courier 10 Pitch" pitchFamily="1" charset="0"/>
-                <a:cs typeface="Courier 10 Pitch" pitchFamily="1" charset="0"/>
-              </a:defRPr>
-            </a:pPr>
-            <a:r>
-              <a:t>	source("scripts/myscript.rev")</a:t>
-            </a:r>
-          </a:p>
-          <a:p>
-            <a:pPr>
-              <a:defRPr lang="fr-fr"/>
-            </a:pPr>
+              <a:defRPr lang="fr-fr" sz="1200" cap="none">
+                <a:solidFill>
+                  <a:schemeClr val="tx2"/>
+                </a:solidFill>
+                <a:latin typeface="Courier 10 Pitch" pitchFamily="1" charset="0"/>
+                <a:ea typeface="Courier 10 Pitch" pitchFamily="1" charset="0"/>
+                <a:cs typeface="Courier 10 Pitch" pitchFamily="1" charset="0"/>
+              </a:defRPr>
+            </a:pPr>
+            <a:r>
+              <a:t>########</a:t>
+            </a:r>
+          </a:p>
+          <a:p>
+            <a:pPr>
+              <a:defRPr lang="fr-fr" sz="1200" cap="none">
+                <a:solidFill>
+                  <a:schemeClr val="tx2"/>
+                </a:solidFill>
+                <a:latin typeface="Courier 10 Pitch" pitchFamily="1" charset="0"/>
+                <a:ea typeface="Courier 10 Pitch" pitchFamily="1" charset="0"/>
+                <a:cs typeface="Courier 10 Pitch" pitchFamily="1" charset="0"/>
+              </a:defRPr>
+            </a:pPr>
+            <a:r>
+              <a:t># Data #</a:t>
+            </a:r>
+          </a:p>
+          <a:p>
+            <a:pPr>
+              <a:defRPr lang="fr-fr" sz="1200" cap="none">
+                <a:solidFill>
+                  <a:schemeClr val="tx2"/>
+                </a:solidFill>
+                <a:latin typeface="Courier 10 Pitch" pitchFamily="1" charset="0"/>
+                <a:ea typeface="Courier 10 Pitch" pitchFamily="1" charset="0"/>
+                <a:cs typeface="Courier 10 Pitch" pitchFamily="1" charset="0"/>
+              </a:defRPr>
+            </a:pPr>
+            <a:r>
+              <a:t>########</a:t>
+            </a:r>
+          </a:p>
+          <a:p>
+            <a:pPr>
+              <a:defRPr lang="fr-fr" sz="1200" cap="none">
+                <a:solidFill>
+                  <a:schemeClr val="tx2"/>
+                </a:solidFill>
+                <a:latin typeface="Courier 10 Pitch" pitchFamily="1" charset="0"/>
+                <a:ea typeface="Courier 10 Pitch" pitchFamily="1" charset="0"/>
+                <a:cs typeface="Courier 10 Pitch" pitchFamily="1" charset="0"/>
+              </a:defRPr>
+            </a:pPr>
+            <a:r>
+              <a:t># We read the sequence alignment:</a:t>
+            </a:r>
+          </a:p>
+          <a:p>
+            <a:pPr>
+              <a:defRPr lang="fr-fr" sz="1200" cap="none">
+                <a:solidFill>
+                  <a:srgbClr val="000000"/>
+                </a:solidFill>
+                <a:latin typeface="Courier 10 Pitch" pitchFamily="1" charset="0"/>
+                <a:ea typeface="Courier 10 Pitch" pitchFamily="1" charset="0"/>
+                <a:cs typeface="Courier 10 Pitch" pitchFamily="1" charset="0"/>
+              </a:defRPr>
+            </a:pPr>
+            <a:r>
+              <a:t>data = readDiscreteCharacterData("...")</a:t>
+            </a:r>
+          </a:p>
+          <a:p>
+            <a:pPr>
+              <a:defRPr lang="fr-fr" sz="1200" cap="none">
+                <a:solidFill>
+                  <a:srgbClr val="000000"/>
+                </a:solidFill>
+                <a:latin typeface="Courier 10 Pitch" pitchFamily="1" charset="0"/>
+                <a:ea typeface="Courier 10 Pitch" pitchFamily="1" charset="0"/>
+                <a:cs typeface="Courier 10 Pitch" pitchFamily="1" charset="0"/>
+              </a:defRPr>
+            </a:pPr>
+            <a:r>
+              <a:t>n_branches = 2 * data.ntaxa() - 3</a:t>
+            </a:r>
+          </a:p>
+        </p:txBody>
+      </p:sp>
+      <p:sp>
+        <p:nvSpPr>
+          <p:cNvPr id="4" name="CadreTexte2"/>
+          <p:cNvSpPr txBox="1">
+            <a:extLst>
+              <a:ext uri="smNativeData">
+                <pr:smNativeData xmlns:pr="smNativeData" xmlns="smNativeData" val="SMDATA_15_0rbXYhMAAAAlAAAAEgAAAE8BAAAAkAAAAEgAAACQAAAASAAAAAAAAAAAAAAAAAAAAAEAAABQAAAAAAAAAAAA4D8AAAAAAADgPwAAAAAAAOA/AAAAAAAA4D8AAAAAAADgPwAAAAAAAOA/AAAAAAAA4D8AAAAAAADgPwAAAAAAAOA/AAAAAAAA4D8CAAAAjAAAAAAAAAAAAAAAT4G9DP///wgAAAAAAAAAAAAAAAAAAAAAAAAAAAAAAAAAAAAAZAAAAAEAAABAAAAAAAAAAAAAAAAAAAAAAAAAAAAAAAAAAAAAAAAAAAAAAAAAAAAAAAAAAAAAAAAAAAAAAAAAAAAAAAAAAAAAAAAAAAAAAAAAAAAAAAAAAAAAAAAAAAAAFAAAADwAAAAAAAAAAAAAAAAAAAkUAAAAAQAAABQAAAAUAAAAFAAAAAEAAAAAAAAAZAAAAGQAAAAAAAAAZAAAAGQAAAAVAAAAYAAAAAAAAAAAAAAADwAAACADAAAAAAAAAAAAAAEAAACgMgAAVgcAAKr4//8BAAAAf39/AAEAAABkAAAAAAAAABQAAABAHwAAAAAAACYAAAAAAAAAwOD//wAAAAAmAAAAZAAAABYAAABMAAAAAAAAAAAAAAAEAAAAAAAAAAEAAADu7OEKAAAAACgAAAAoAAAAZAAAAGQAAAAAAAAAzMzMAAAAAABQAAAAUAAAAGQAAABkAAAAAAAAABcAAAAUAAAAAAAAABkMAAD/fwAA/38AAAAAAAAJAAAABAAAAC8AAAAeAAAAaAAAAAAAAAAAAAAAAAAAAAAAAAAAAAAAECcAABAnAAAAAAAAAAAAAAAAAAAAAAAAAAAAAAAAAAAAAAAAAAAAABQAAAAAAAAAwMD/AAAAAABkAAAAMgAAAAAAAABkAAAAAAAAAH9/fwAKAAAAIgAAABgAAAAAAAAAAAAAAAAAAAAAAAAAAAAAAAAAAAAkAAAAJAAAAAAAAAAHAAAAAAAAAAAAAAAAAAAAAAAAAAAAAAAAAAAAf39/ACUAAABYAAAAAAAAAAAAAAAAAAAAAAAAAAAAAAAAAAAAAAAAAAAAAAAAAAAAAAAAAAAAAAA/AAAAAAAAAKCGAQAAAAAAAAAAAAAAAAAMAAAAAQAAAAAAAAAAAAAAAAAAAB8AAABUAAAAT4G9Bf///wEAAAAAAAAAAAAAAAAAAAAAAAAAAAAAAAAAAAAAAAAAAAAAAAJ/f38A7uzhA8zMzADAwP8Af39/AAAAAAAAAAAAAAAAAAAAAAAAAAAAIQAAABgAAAAUAAAAfAAAAOAMAACHGwAAUCcAAAAgAAAmAAAACAAAAP//////////"/>
+              </a:ext>
+            </a:extLst>
+          </p:cNvSpPr>
+          <p:nvPr/>
+        </p:nvSpPr>
+        <p:spPr>
+          <a:xfrm>
+            <a:off x="78740" y="2092960"/>
+            <a:ext cx="4396105" cy="4297680"/>
+          </a:xfrm>
+          <a:prstGeom prst="rect">
+            <a:avLst/>
+          </a:prstGeom>
+          <a:noFill/>
+          <a:ln>
+            <a:noFill/>
+          </a:ln>
+          <a:effectLst/>
+        </p:spPr>
+        <p:txBody>
+          <a:bodyPr vert="horz" wrap="square" numCol="1" spcCol="215900" anchor="t"/>
+          <a:lstStyle/>
+          <a:p>
+            <a:pPr>
+              <a:defRPr lang="fr-fr" sz="1200" cap="none">
+                <a:solidFill>
+                  <a:schemeClr val="accent2"/>
+                </a:solidFill>
+                <a:latin typeface="Courier 10 Pitch" pitchFamily="1" charset="0"/>
+                <a:ea typeface="Courier 10 Pitch" pitchFamily="1" charset="0"/>
+                <a:cs typeface="Courier 10 Pitch" pitchFamily="1" charset="0"/>
+              </a:defRPr>
+            </a:pPr>
+            <a:r>
+              <a:t>###############################</a:t>
+            </a:r>
+          </a:p>
+          <a:p>
+            <a:pPr>
+              <a:defRPr lang="fr-fr" sz="1200" cap="none">
+                <a:solidFill>
+                  <a:schemeClr val="accent2"/>
+                </a:solidFill>
+                <a:latin typeface="Courier 10 Pitch" pitchFamily="1" charset="0"/>
+                <a:ea typeface="Courier 10 Pitch" pitchFamily="1" charset="0"/>
+                <a:cs typeface="Courier 10 Pitch" pitchFamily="1" charset="0"/>
+              </a:defRPr>
+            </a:pPr>
+            <a:r>
+              <a:t># Model of sequence evolution #</a:t>
+            </a:r>
+          </a:p>
+          <a:p>
+            <a:pPr>
+              <a:defRPr lang="fr-fr" sz="1200" cap="none">
+                <a:solidFill>
+                  <a:schemeClr val="accent2"/>
+                </a:solidFill>
+                <a:latin typeface="Courier 10 Pitch" pitchFamily="1" charset="0"/>
+                <a:ea typeface="Courier 10 Pitch" pitchFamily="1" charset="0"/>
+                <a:cs typeface="Courier 10 Pitch" pitchFamily="1" charset="0"/>
+              </a:defRPr>
+            </a:pPr>
+            <a:r>
+              <a:t>###############################</a:t>
+            </a:r>
+          </a:p>
+          <a:p>
+            <a:pPr>
+              <a:defRPr lang="fr-fr" sz="1200" cap="none">
+                <a:solidFill>
+                  <a:schemeClr val="accent2"/>
+                </a:solidFill>
+                <a:latin typeface="Courier 10 Pitch" pitchFamily="1" charset="0"/>
+                <a:ea typeface="Courier 10 Pitch" pitchFamily="1" charset="0"/>
+                <a:cs typeface="Courier 10 Pitch" pitchFamily="1" charset="0"/>
+              </a:defRPr>
+            </a:pPr>
+            <a:r>
+              <a:t># Uniform prior on topologies</a:t>
+            </a:r>
+          </a:p>
+          <a:p>
+            <a:pPr>
+              <a:defRPr lang="fr-fr" sz="1200" cap="none">
+                <a:solidFill>
+                  <a:srgbClr val="000000"/>
+                </a:solidFill>
+                <a:latin typeface="Courier 10 Pitch" pitchFamily="1" charset="0"/>
+                <a:ea typeface="Courier 10 Pitch" pitchFamily="1" charset="0"/>
+                <a:cs typeface="Courier 10 Pitch" pitchFamily="1" charset="0"/>
+              </a:defRPr>
+            </a:pPr>
+            <a:r>
+              <a:t>topology ~ dnUniformTopology(...)</a:t>
+            </a:r>
+          </a:p>
+          <a:p>
+            <a:pPr>
+              <a:defRPr lang="fr-fr" sz="1200" cap="none">
+                <a:solidFill>
+                  <a:schemeClr val="accent2"/>
+                </a:solidFill>
+                <a:latin typeface="Courier 10 Pitch" pitchFamily="1" charset="0"/>
+                <a:ea typeface="Courier 10 Pitch" pitchFamily="1" charset="0"/>
+                <a:cs typeface="Courier 10 Pitch" pitchFamily="1" charset="0"/>
+              </a:defRPr>
+            </a:pPr>
+          </a:p>
+          <a:p>
+            <a:pPr>
+              <a:defRPr lang="fr-fr" sz="1200" cap="none">
+                <a:solidFill>
+                  <a:schemeClr val="accent2"/>
+                </a:solidFill>
+                <a:latin typeface="Courier 10 Pitch" pitchFamily="1" charset="0"/>
+                <a:ea typeface="Courier 10 Pitch" pitchFamily="1" charset="0"/>
+                <a:cs typeface="Courier 10 Pitch" pitchFamily="1" charset="0"/>
+              </a:defRPr>
+            </a:pPr>
+            <a:r>
+              <a:t># Exponential priors on branch lengths</a:t>
+            </a:r>
+          </a:p>
+          <a:p>
+            <a:pPr>
+              <a:defRPr lang="fr-fr" sz="1200" cap="none">
+                <a:solidFill>
+                  <a:srgbClr val="000000"/>
+                </a:solidFill>
+                <a:latin typeface="Courier 10 Pitch" pitchFamily="1" charset="0"/>
+                <a:ea typeface="Courier 10 Pitch" pitchFamily="1" charset="0"/>
+                <a:cs typeface="Courier 10 Pitch" pitchFamily="1" charset="0"/>
+              </a:defRPr>
+            </a:pPr>
+            <a:r>
+              <a:t>for (i in 1:n_branches) {</a:t>
+            </a:r>
+          </a:p>
+          <a:p>
+            <a:pPr>
+              <a:defRPr lang="fr-fr" sz="1200" cap="none">
+                <a:solidFill>
+                  <a:srgbClr val="000000"/>
+                </a:solidFill>
+                <a:latin typeface="Courier 10 Pitch" pitchFamily="1" charset="0"/>
+                <a:ea typeface="Courier 10 Pitch" pitchFamily="1" charset="0"/>
+                <a:cs typeface="Courier 10 Pitch" pitchFamily="1" charset="0"/>
+              </a:defRPr>
+            </a:pPr>
+            <a:r>
+              <a:t> bls[i] ~ dnExponential(10)</a:t>
+            </a:r>
+          </a:p>
+          <a:p>
+            <a:pPr>
+              <a:defRPr lang="fr-fr" sz="1200" cap="none">
+                <a:solidFill>
+                  <a:srgbClr val="000000"/>
+                </a:solidFill>
+                <a:latin typeface="Courier 10 Pitch" pitchFamily="1" charset="0"/>
+                <a:ea typeface="Courier 10 Pitch" pitchFamily="1" charset="0"/>
+                <a:cs typeface="Courier 10 Pitch" pitchFamily="1" charset="0"/>
+              </a:defRPr>
+            </a:pPr>
+            <a:r>
+              <a:t>}</a:t>
+            </a:r>
+          </a:p>
+          <a:p>
+            <a:pPr>
+              <a:defRPr lang="fr-fr" sz="1200" cap="none">
+                <a:solidFill>
+                  <a:schemeClr val="accent2"/>
+                </a:solidFill>
+                <a:latin typeface="Courier 10 Pitch" pitchFamily="1" charset="0"/>
+                <a:ea typeface="Courier 10 Pitch" pitchFamily="1" charset="0"/>
+                <a:cs typeface="Courier 10 Pitch" pitchFamily="1" charset="0"/>
+              </a:defRPr>
+            </a:pPr>
+            <a:r>
+              <a:t># Putting branch lengths and topology together</a:t>
+            </a:r>
+          </a:p>
+          <a:p>
+            <a:pPr>
+              <a:defRPr lang="fr-fr" sz="1200" cap="none">
+                <a:solidFill>
+                  <a:srgbClr val="000000"/>
+                </a:solidFill>
+                <a:latin typeface="Courier 10 Pitch" pitchFamily="1" charset="0"/>
+                <a:ea typeface="Courier 10 Pitch" pitchFamily="1" charset="0"/>
+                <a:cs typeface="Courier 10 Pitch" pitchFamily="1" charset="0"/>
+              </a:defRPr>
+            </a:pPr>
+            <a:r>
+              <a:t>psi := treeAssembly(topology, bls)</a:t>
+            </a:r>
+          </a:p>
+          <a:p>
+            <a:pPr>
+              <a:defRPr lang="fr-fr" sz="1200" cap="none">
+                <a:solidFill>
+                  <a:schemeClr val="accent2"/>
+                </a:solidFill>
+                <a:latin typeface="Courier 10 Pitch" pitchFamily="1" charset="0"/>
+                <a:ea typeface="Courier 10 Pitch" pitchFamily="1" charset="0"/>
+                <a:cs typeface="Courier 10 Pitch" pitchFamily="1" charset="0"/>
+              </a:defRPr>
+            </a:pPr>
+            <a:r>
+              <a:t># We define a JC rate matrix:</a:t>
+            </a:r>
+          </a:p>
+          <a:p>
+            <a:pPr>
+              <a:defRPr lang="fr-fr" sz="1200" cap="none">
+                <a:solidFill>
+                  <a:srgbClr val="000000"/>
+                </a:solidFill>
+                <a:latin typeface="Courier 10 Pitch" pitchFamily="1" charset="0"/>
+                <a:ea typeface="Courier 10 Pitch" pitchFamily="1" charset="0"/>
+                <a:cs typeface="Courier 10 Pitch" pitchFamily="1" charset="0"/>
+              </a:defRPr>
+            </a:pPr>
+            <a:r>
+              <a:t>Q &lt;- fnJC(4)</a:t>
+            </a:r>
+          </a:p>
+          <a:p>
+            <a:pPr>
+              <a:defRPr lang="fr-fr" sz="1200" cap="none">
+                <a:solidFill>
+                  <a:schemeClr val="accent2"/>
+                </a:solidFill>
+                <a:latin typeface="Courier 10 Pitch" pitchFamily="1" charset="0"/>
+                <a:ea typeface="Courier 10 Pitch" pitchFamily="1" charset="0"/>
+                <a:cs typeface="Courier 10 Pitch" pitchFamily="1" charset="0"/>
+              </a:defRPr>
+            </a:pPr>
+            <a:r>
+              <a:t># The sequences are drawn from a CTMC running along the tree</a:t>
+            </a:r>
+          </a:p>
+          <a:p>
+            <a:pPr>
+              <a:defRPr lang="fr-fr" sz="1200" cap="none">
+                <a:solidFill>
+                  <a:srgbClr val="000000"/>
+                </a:solidFill>
+                <a:latin typeface="Courier 10 Pitch" pitchFamily="1" charset="0"/>
+                <a:ea typeface="Courier 10 Pitch" pitchFamily="1" charset="0"/>
+                <a:cs typeface="Courier 10 Pitch" pitchFamily="1" charset="0"/>
+              </a:defRPr>
+            </a:pPr>
+            <a:r>
+              <a:t>seq ~ dnPhyloCTMC( tree=psi, Q=Q, type="DNA" )</a:t>
+            </a:r>
+          </a:p>
+          <a:p>
+            <a:pPr>
+              <a:defRPr lang="fr-fr" sz="1200" cap="none">
+                <a:solidFill>
+                  <a:schemeClr val="accent2"/>
+                </a:solidFill>
+                <a:latin typeface="Courier 10 Pitch" pitchFamily="1" charset="0"/>
+                <a:ea typeface="Courier 10 Pitch" pitchFamily="1" charset="0"/>
+                <a:cs typeface="Courier 10 Pitch" pitchFamily="1" charset="0"/>
+              </a:defRPr>
+            </a:pPr>
+            <a:r>
+              <a:t># We condition the CTMC on the sequence alignment.</a:t>
+            </a:r>
+          </a:p>
+          <a:p>
+            <a:pPr>
+              <a:defRPr lang="fr-fr" sz="1200" cap="none">
+                <a:solidFill>
+                  <a:srgbClr val="000000"/>
+                </a:solidFill>
+                <a:latin typeface="Courier 10 Pitch" pitchFamily="1" charset="0"/>
+                <a:ea typeface="Courier 10 Pitch" pitchFamily="1" charset="0"/>
+                <a:cs typeface="Courier 10 Pitch" pitchFamily="1" charset="0"/>
+              </a:defRPr>
+            </a:pPr>
+            <a:r>
+              <a:t>seq.clamp( data )</a:t>
+            </a:r>
+          </a:p>
+          <a:p>
+            <a:pPr>
+              <a:defRPr lang="fr-fr" sz="1200" cap="none">
+                <a:solidFill>
+                  <a:schemeClr val="accent2"/>
+                </a:solidFill>
+                <a:latin typeface="Courier 10 Pitch" pitchFamily="1" charset="0"/>
+                <a:ea typeface="Courier 10 Pitch" pitchFamily="1" charset="0"/>
+                <a:cs typeface="Courier 10 Pitch" pitchFamily="1" charset="0"/>
+              </a:defRPr>
+            </a:pPr>
+            <a:r>
+              <a:t># We declare the model as one big object that we are going to use in the MCMC:</a:t>
+            </a:r>
+          </a:p>
+          <a:p>
+            <a:pPr>
+              <a:defRPr lang="fr-fr" sz="1200" cap="none">
+                <a:solidFill>
+                  <a:srgbClr val="000000"/>
+                </a:solidFill>
+                <a:latin typeface="Courier 10 Pitch" pitchFamily="1" charset="0"/>
+                <a:ea typeface="Courier 10 Pitch" pitchFamily="1" charset="0"/>
+                <a:cs typeface="Courier 10 Pitch" pitchFamily="1" charset="0"/>
+              </a:defRPr>
+            </a:pPr>
+            <a:r>
+              <a:t>my_model = model(psi)</a:t>
+            </a:r>
+          </a:p>
+        </p:txBody>
+      </p:sp>
+      <p:sp>
+        <p:nvSpPr>
+          <p:cNvPr id="5" name="CadreTexte3"/>
+          <p:cNvSpPr txBox="1">
+            <a:extLst>
+              <a:ext uri="smNativeData">
+                <pr:smNativeData xmlns:pr="smNativeData" xmlns="smNativeData" val="SMDATA_15_0rbXYhMAAAAlAAAAEgAAAE8BAAAAkAAAAEgAAACQAAAASAAAAAAAAAAAAAAAAAAAAAEAAABQAAAAAAAAAAAA4D8AAAAAAADgPwAAAAAAAOA/AAAAAAAA4D8AAAAAAADgPwAAAAAAAOA/AAAAAAAA4D8AAAAAAADgPwAAAAAAAOA/AAAAAAAA4D8CAAAAjAAAAAAAAAAAAAAAT4G9DP///wgAAAAAAAAAAAAAAAAAAAAAAAAAAAAAAAAAAAAAZAAAAAEAAABAAAAAAAAAAAAAAAAAAAAAAAAAAAAAAAAAAAAAAAAAAAAAAAAAAAAAAAAAAAAAAAAAAAAAAAAAAAAAAAAAAAAAAAAAAAAAAAAAAAAAAAAAAAAAAAAAAAAAFAAAADwAAAAAAAAAAAAAAAAAAAkUAAAAAQAAABQAAAAUAAAAFAAAAAEAAAAAAAAAZAAAAGQAAAAAAAAAZAAAAGQAAAAVAAAAYAAAAAAAAAAAAAAADwAAACADAAAAAAAAAAAAAAEAAACgMgAAVgcAAKr4//8BAAAAf39/AAEAAABkAAAAAAAAABQAAABAHwAAAAAAACYAAAAAAAAAwOD//wAAAAAmAAAAZAAAABYAAABMAAAAAAAAAAAAAAAEAAAAAAAAAAEAAADu7OEKAAAAACgAAAAoAAAAZAAAAGQAAAAAAAAAzMzMAAAAAABQAAAAUAAAAGQAAABkAAAAAAAAABcAAAAUAAAAAAAAABkMAAD/fwAA/38AAAAAAAAJAAAABAAAAC8AAAAeAAAAaAAAAAAAAAAAAAAAAAAAAAAAAAAAAAAAECcAABAnAAAAAAAAAAAAAAAAAAAAAAAAAAAAAAAAAAAAAAAAAAAAABQAAAAAAAAAwMD/AAAAAABkAAAAMgAAAAAAAABkAAAAAAAAAH9/fwAKAAAAIgAAABgAAAAAAAAAAAAAAAAAAAAAAAAAAAAAAAAAAAAkAAAAJAAAAAAAAAAHAAAAAAAAAAAAAAAAAAAAAAAAAAAAAAAAAAAAf39/ACUAAABYAAAAAAAAAAAAAAAAAAAAAAAAAAAAAAAAAAAAAAAAAAAAAAAAAAAAAAAAAAAAAAA/AAAAAAAAAKCGAQAAAAAAAAAAAAAAAAAMAAAAAQAAAAAAAAAAAAAAAAAAAB8AAABUAAAAT4G9Bf///wEAAAAAAAAAAAAAAAAAAAAAAAAAAAAAAAAAAAAAAAAAAAAAAAJ/f38A7uzhA8zMzADAwP8Af39/AAAAAAAAAAAAAAAAAAAAAAAAAAAAIQAAABgAAAAUAAAAwRwAAEoFAABoNwAAmhUAAAAgAAAmAAAACAAAAP//////////"/>
+              </a:ext>
+            </a:extLst>
+          </p:cNvSpPr>
+          <p:nvPr/>
+        </p:nvSpPr>
+        <p:spPr>
+          <a:xfrm>
+            <a:off x="4674235" y="859790"/>
+            <a:ext cx="4332605" cy="2651760"/>
+          </a:xfrm>
+          <a:prstGeom prst="rect">
+            <a:avLst/>
+          </a:prstGeom>
+          <a:noFill/>
+          <a:ln>
+            <a:noFill/>
+          </a:ln>
+          <a:effectLst/>
+        </p:spPr>
+        <p:txBody>
+          <a:bodyPr vert="horz" wrap="square" numCol="1" spcCol="215900" anchor="t"/>
+          <a:lstStyle/>
+          <a:p>
+            <a:pPr>
+              <a:defRPr lang="fr-fr" sz="1200" cap="none">
+                <a:solidFill>
+                  <a:schemeClr val="accent4"/>
+                </a:solidFill>
+                <a:latin typeface="Courier 10 Pitch" pitchFamily="1" charset="0"/>
+                <a:ea typeface="Courier 10 Pitch" pitchFamily="1" charset="0"/>
+                <a:cs typeface="Courier 10 Pitch" pitchFamily="1" charset="0"/>
+              </a:defRPr>
+            </a:pPr>
+            <a:r>
+              <a:t>#########</a:t>
+            </a:r>
+          </a:p>
+          <a:p>
+            <a:pPr>
+              <a:defRPr lang="fr-fr" sz="1200" cap="none">
+                <a:solidFill>
+                  <a:schemeClr val="accent4"/>
+                </a:solidFill>
+                <a:latin typeface="Courier 10 Pitch" pitchFamily="1" charset="0"/>
+                <a:ea typeface="Courier 10 Pitch" pitchFamily="1" charset="0"/>
+                <a:cs typeface="Courier 10 Pitch" pitchFamily="1" charset="0"/>
+              </a:defRPr>
+            </a:pPr>
+            <a:r>
+              <a:t># Moves #</a:t>
+            </a:r>
+          </a:p>
+          <a:p>
+            <a:pPr>
+              <a:defRPr lang="fr-fr" sz="1200" cap="none">
+                <a:solidFill>
+                  <a:schemeClr val="accent4"/>
+                </a:solidFill>
+                <a:latin typeface="Courier 10 Pitch" pitchFamily="1" charset="0"/>
+                <a:ea typeface="Courier 10 Pitch" pitchFamily="1" charset="0"/>
+                <a:cs typeface="Courier 10 Pitch" pitchFamily="1" charset="0"/>
+              </a:defRPr>
+            </a:pPr>
+            <a:r>
+              <a:t>#########</a:t>
+            </a:r>
+          </a:p>
+          <a:p>
+            <a:pPr>
+              <a:defRPr lang="fr-fr" sz="1200" cap="none">
+                <a:solidFill>
+                  <a:schemeClr val="accent4"/>
+                </a:solidFill>
+                <a:latin typeface="Courier 10 Pitch" pitchFamily="1" charset="0"/>
+                <a:ea typeface="Courier 10 Pitch" pitchFamily="1" charset="0"/>
+                <a:cs typeface="Courier 10 Pitch" pitchFamily="1" charset="0"/>
+              </a:defRPr>
+            </a:pPr>
+            <a:r>
+              <a:t># We create a vector of moves to store them all:</a:t>
+            </a:r>
+          </a:p>
+          <a:p>
+            <a:pPr>
+              <a:defRPr lang="fr-fr" sz="1200" cap="none">
+                <a:solidFill>
+                  <a:srgbClr val="000000"/>
+                </a:solidFill>
+                <a:latin typeface="Courier 10 Pitch" pitchFamily="1" charset="0"/>
+                <a:ea typeface="Courier 10 Pitch" pitchFamily="1" charset="0"/>
+                <a:cs typeface="Courier 10 Pitch" pitchFamily="1" charset="0"/>
+              </a:defRPr>
+            </a:pPr>
+            <a:r>
+              <a:t>moves = VectorMoves()</a:t>
+            </a:r>
+          </a:p>
+          <a:p>
+            <a:pPr>
+              <a:defRPr lang="fr-fr" sz="1200" cap="none">
+                <a:solidFill>
+                  <a:schemeClr val="accent4"/>
+                </a:solidFill>
+                <a:latin typeface="Courier 10 Pitch" pitchFamily="1" charset="0"/>
+                <a:ea typeface="Courier 10 Pitch" pitchFamily="1" charset="0"/>
+                <a:cs typeface="Courier 10 Pitch" pitchFamily="1" charset="0"/>
+              </a:defRPr>
+            </a:pPr>
+            <a:r>
+              <a:t># Move on the topology</a:t>
+            </a:r>
+          </a:p>
+          <a:p>
+            <a:pPr>
+              <a:defRPr lang="fr-fr" sz="1200" cap="none">
+                <a:solidFill>
+                  <a:srgbClr val="000000"/>
+                </a:solidFill>
+                <a:latin typeface="Courier 10 Pitch" pitchFamily="1" charset="0"/>
+                <a:ea typeface="Courier 10 Pitch" pitchFamily="1" charset="0"/>
+                <a:cs typeface="Courier 10 Pitch" pitchFamily="1" charset="0"/>
+              </a:defRPr>
+            </a:pPr>
+            <a:r>
+              <a:t>moves.append(mvNNI(topology, weight=10.0))</a:t>
+            </a:r>
+          </a:p>
+          <a:p>
+            <a:pPr>
+              <a:defRPr lang="fr-fr" sz="1200" cap="none">
+                <a:solidFill>
+                  <a:schemeClr val="accent4"/>
+                </a:solidFill>
+                <a:latin typeface="Courier 10 Pitch" pitchFamily="1" charset="0"/>
+                <a:ea typeface="Courier 10 Pitch" pitchFamily="1" charset="0"/>
+                <a:cs typeface="Courier 10 Pitch" pitchFamily="1" charset="0"/>
+              </a:defRPr>
+            </a:pPr>
+            <a:r>
+              <a:t># We define moves on the branch lengths, one for each branch.</a:t>
+            </a:r>
+          </a:p>
+          <a:p>
+            <a:pPr>
+              <a:defRPr lang="fr-fr" sz="1200" cap="none">
+                <a:solidFill>
+                  <a:srgbClr val="000000"/>
+                </a:solidFill>
+                <a:latin typeface="Courier 10 Pitch" pitchFamily="1" charset="0"/>
+                <a:ea typeface="Courier 10 Pitch" pitchFamily="1" charset="0"/>
+                <a:cs typeface="Courier 10 Pitch" pitchFamily="1" charset="0"/>
+              </a:defRPr>
+            </a:pPr>
+            <a:r>
+              <a:t>for (i in 1:n_branches) {</a:t>
+            </a:r>
+          </a:p>
+          <a:p>
+            <a:pPr>
+              <a:defRPr lang="fr-fr" sz="1200" cap="none">
+                <a:solidFill>
+                  <a:srgbClr val="000000"/>
+                </a:solidFill>
+                <a:latin typeface="Courier 10 Pitch" pitchFamily="1" charset="0"/>
+                <a:ea typeface="Courier 10 Pitch" pitchFamily="1" charset="0"/>
+                <a:cs typeface="Courier 10 Pitch" pitchFamily="1" charset="0"/>
+              </a:defRPr>
+            </a:pPr>
+            <a:r>
+              <a:t>   moves.append(mvScaleBactrian(bls[i], tune=TRUE))</a:t>
+            </a:r>
+          </a:p>
+          <a:p>
+            <a:pPr>
+              <a:defRPr lang="fr-fr" sz="1200" cap="none">
+                <a:solidFill>
+                  <a:srgbClr val="000000"/>
+                </a:solidFill>
+                <a:latin typeface="Courier 10 Pitch" pitchFamily="1" charset="0"/>
+                <a:ea typeface="Courier 10 Pitch" pitchFamily="1" charset="0"/>
+                <a:cs typeface="Courier 10 Pitch" pitchFamily="1" charset="0"/>
+              </a:defRPr>
+            </a:pPr>
+            <a:r>
+              <a:t>}</a:t>
+            </a:r>
+          </a:p>
+        </p:txBody>
+      </p:sp>
+      <p:sp>
+        <p:nvSpPr>
+          <p:cNvPr id="6" name="CadreTexte4"/>
+          <p:cNvSpPr txBox="1">
+            <a:extLst>
+              <a:ext uri="smNativeData">
+                <pr:smNativeData xmlns:pr="smNativeData" xmlns="smNativeData" val="SMDATA_15_0rbXYhMAAAAlAAAAEgAAAE8BAAAAkAAAAEgAAACQAAAASAAAAAAAAAAAAAAAAAAAAAEAAABQAAAAAAAAAAAA4D8AAAAAAADgPwAAAAAAAOA/AAAAAAAA4D8AAAAAAADgPwAAAAAAAOA/AAAAAAAA4D8AAAAAAADgPwAAAAAAAOA/AAAAAAAA4D8CAAAAjAAAAAAAAAAAAAAAT4G9DP///wgAAAAAAAAAAAAAAAAAAAAAAAAAAAAAAAAAAAAAZAAAAAEAAABAAAAAAAAAAAAAAAAAAAAAAAAAAAAAAAAAAAAAAAAAAAAAAAAAAAAAAAAAAAAAAAAAAAAAAAAAAAAAAAAAAAAAAAAAAAAAAAAAAAAAAAAAAAAAAAAAAAAAFAAAADwAAAAAAAAAAAAAAAAAAAkUAAAAAQAAABQAAAAUAAAAFAAAAAEAAAAAAAAAZAAAAGQAAAAAAAAAZAAAAGQAAAAVAAAAYAAAAAAAAAAAAAAADwAAACADAAAAAAAAAAAAAAEAAACgMgAAVgcAAKr4//8BAAAAf39/AAEAAABkAAAAAAAAABQAAABAHwAAAAAAACYAAAAAAAAAwOD//wAAAAAmAAAAZAAAABYAAABMAAAAAAAAAAAAAAAEAAAAAAAAAAEAAADu7OEKAAAAACgAAAAoAAAAZAAAAGQAAAAAAAAAzMzMAAAAAABQAAAAUAAAAGQAAABkAAAAAAAAABcAAAAUAAAAAAAAABkMAAD/fwAA/38AAAAAAAAJAAAABAAAAC8AAAAeAAAAaAAAAAAAAAAAAAAAAAAAAAAAAAAAAAAAECcAABAnAAAAAAAAAAAAAAAAAAAAAAAAAAAAAAAAAAAAAAAAAAAAABQAAAAAAAAAwMD/AAAAAABkAAAAMgAAAAAAAABkAAAAAAAAAH9/fwAKAAAAIgAAABgAAAAAAAAAAAAAAAAAAAAAAAAAAAAAAAAAAAAkAAAAJAAAAAAAAAAHAAAAAAAAAAAAAAAAAAAAAAAAAAAAAAAAAAAAf39/ACUAAABYAAAAAAAAAAAAAAAAAAAAAAAAAAAAAAAAAAAAAAAAAAAAAAAAAAAAAAAAAAAAAAA/AAAAAAAAAKCGAQAAAAAAAAAAAAAAAAAMAAAAAQAAAAAAAAAAAAAAAAAAAB8AAABUAAAAT4G9Bf///wEAAAAAAAAAAAAAAAAAAAAAAAAAAAAAAAAAAAAAAAAAAAAAAAJ/f38A7uzhA8zMzADAwP8Af39/AAAAAAAAAAAAAAAAAAAAAAAAAAAAIQAAABgAAAAUAAAA0RwAACEXAABYNwAAkSgAAAAgAAAmAAAACAAAAP//////////"/>
+              </a:ext>
+            </a:extLst>
+          </p:cNvSpPr>
+          <p:nvPr/>
+        </p:nvSpPr>
+        <p:spPr>
+          <a:xfrm>
+            <a:off x="4684395" y="3759835"/>
+            <a:ext cx="4312285" cy="2834640"/>
+          </a:xfrm>
+          <a:prstGeom prst="rect">
+            <a:avLst/>
+          </a:prstGeom>
+          <a:noFill/>
+          <a:ln>
+            <a:noFill/>
+          </a:ln>
+          <a:effectLst/>
+        </p:spPr>
+        <p:txBody>
+          <a:bodyPr vert="horz" wrap="square" numCol="1" spcCol="215900" anchor="t"/>
+          <a:lstStyle/>
+          <a:p>
+            <a:pPr>
+              <a:defRPr lang="fr-fr" sz="1200" cap="none">
+                <a:solidFill>
+                  <a:srgbClr val="007F00"/>
+                </a:solidFill>
+                <a:latin typeface="Courier 10 Pitch" pitchFamily="1" charset="0"/>
+                <a:ea typeface="Courier 10 Pitch" pitchFamily="1" charset="0"/>
+                <a:cs typeface="Courier 10 Pitch" pitchFamily="1" charset="0"/>
+              </a:defRPr>
+            </a:pPr>
+            <a:r>
+              <a:t>#################</a:t>
+            </a:r>
+          </a:p>
+          <a:p>
+            <a:pPr>
+              <a:defRPr lang="fr-fr" sz="1200" cap="none">
+                <a:solidFill>
+                  <a:srgbClr val="007F00"/>
+                </a:solidFill>
+                <a:latin typeface="Courier 10 Pitch" pitchFamily="1" charset="0"/>
+                <a:ea typeface="Courier 10 Pitch" pitchFamily="1" charset="0"/>
+                <a:cs typeface="Courier 10 Pitch" pitchFamily="1" charset="0"/>
+              </a:defRPr>
+            </a:pPr>
+            <a:r>
+              <a:t># MCMC analysis #</a:t>
+            </a:r>
+          </a:p>
+          <a:p>
+            <a:pPr>
+              <a:defRPr lang="fr-fr" sz="1200" cap="none">
+                <a:solidFill>
+                  <a:srgbClr val="007F00"/>
+                </a:solidFill>
+                <a:latin typeface="Courier 10 Pitch" pitchFamily="1" charset="0"/>
+                <a:ea typeface="Courier 10 Pitch" pitchFamily="1" charset="0"/>
+                <a:cs typeface="Courier 10 Pitch" pitchFamily="1" charset="0"/>
+              </a:defRPr>
+            </a:pPr>
+            <a:r>
+              <a:t>#################</a:t>
+            </a:r>
+          </a:p>
+          <a:p>
+            <a:pPr>
+              <a:defRPr lang="fr-fr" sz="1200" cap="none">
+                <a:solidFill>
+                  <a:srgbClr val="007F00"/>
+                </a:solidFill>
+                <a:latin typeface="Courier 10 Pitch" pitchFamily="1" charset="0"/>
+                <a:ea typeface="Courier 10 Pitch" pitchFamily="1" charset="0"/>
+                <a:cs typeface="Courier 10 Pitch" pitchFamily="1" charset="0"/>
+              </a:defRPr>
+            </a:pPr>
+            <a:r>
+              <a:t># Now we define monitors to keep track of what's happening during the MCMC.</a:t>
+            </a:r>
+          </a:p>
+          <a:p>
+            <a:pPr>
+              <a:defRPr lang="fr-fr" sz="1200" cap="none">
+                <a:solidFill>
+                  <a:srgbClr val="007F00"/>
+                </a:solidFill>
+                <a:latin typeface="Courier 10 Pitch" pitchFamily="1" charset="0"/>
+                <a:ea typeface="Courier 10 Pitch" pitchFamily="1" charset="0"/>
+                <a:cs typeface="Courier 10 Pitch" pitchFamily="1" charset="0"/>
+              </a:defRPr>
+            </a:pPr>
+            <a:r>
+              <a:t># One monitor to store the parameter distributions into a file:</a:t>
+            </a:r>
+          </a:p>
+          <a:p>
+            <a:pPr>
+              <a:defRPr lang="fr-fr" sz="1200" cap="none">
+                <a:solidFill>
+                  <a:srgbClr val="000000"/>
+                </a:solidFill>
+                <a:latin typeface="Courier 10 Pitch" pitchFamily="1" charset="0"/>
+                <a:ea typeface="Courier 10 Pitch" pitchFamily="1" charset="0"/>
+                <a:cs typeface="Courier 10 Pitch" pitchFamily="1" charset="0"/>
+              </a:defRPr>
+            </a:pPr>
+            <a:r>
+              <a:t>monitors[1] = mnModel(filename="...", printgen=10, separator = TAB)</a:t>
+            </a:r>
+          </a:p>
+          <a:p>
+            <a:pPr>
+              <a:defRPr lang="fr-fr" sz="1200" cap="none">
+                <a:solidFill>
+                  <a:srgbClr val="007F00"/>
+                </a:solidFill>
+                <a:latin typeface="Courier 10 Pitch" pitchFamily="1" charset="0"/>
+                <a:ea typeface="Courier 10 Pitch" pitchFamily="1" charset="0"/>
+                <a:cs typeface="Courier 10 Pitch" pitchFamily="1" charset="0"/>
+              </a:defRPr>
+            </a:pPr>
+            <a:r>
+              <a:t># We create an MCMC object:</a:t>
+            </a:r>
+          </a:p>
+          <a:p>
+            <a:pPr>
+              <a:defRPr lang="fr-fr" sz="1200" cap="none">
+                <a:solidFill>
+                  <a:srgbClr val="000000"/>
+                </a:solidFill>
+                <a:latin typeface="Courier 10 Pitch" pitchFamily="1" charset="0"/>
+                <a:ea typeface="Courier 10 Pitch" pitchFamily="1" charset="0"/>
+                <a:cs typeface="Courier 10 Pitch" pitchFamily="1" charset="0"/>
+              </a:defRPr>
+            </a:pPr>
+            <a:r>
+              <a:t>analysis = mcmc(my_model, monitors, moves, ...)</a:t>
+            </a:r>
+          </a:p>
+          <a:p>
+            <a:pPr>
+              <a:defRPr lang="fr-fr" sz="1200" cap="none">
+                <a:solidFill>
+                  <a:srgbClr val="007F00"/>
+                </a:solidFill>
+                <a:latin typeface="Courier 10 Pitch" pitchFamily="1" charset="0"/>
+                <a:ea typeface="Courier 10 Pitch" pitchFamily="1" charset="0"/>
+                <a:cs typeface="Courier 10 Pitch" pitchFamily="1" charset="0"/>
+              </a:defRPr>
+            </a:pPr>
+            <a:r>
+              <a:t># We run the MCMC for 20,000 iterations:</a:t>
+            </a:r>
+          </a:p>
+          <a:p>
+            <a:pPr>
+              <a:defRPr lang="fr-fr" sz="1200" cap="none">
+                <a:solidFill>
+                  <a:srgbClr val="000000"/>
+                </a:solidFill>
+                <a:latin typeface="Courier 10 Pitch" pitchFamily="1" charset="0"/>
+                <a:ea typeface="Courier 10 Pitch" pitchFamily="1" charset="0"/>
+                <a:cs typeface="Courier 10 Pitch" pitchFamily="1" charset="0"/>
+              </a:defRPr>
+            </a:pPr>
+            <a:r>
+              <a:t>analysis.run(20000)</a:t>
+            </a:r>
+          </a:p>
+          <a:p>
+            <a:pPr>
+              <a:defRPr lang="fr-fr" sz="1200" cap="none">
+                <a:solidFill>
+                  <a:srgbClr val="007F00"/>
+                </a:solidFill>
+                <a:latin typeface="Courier 10 Pitch" pitchFamily="1" charset="0"/>
+                <a:ea typeface="Courier 10 Pitch" pitchFamily="1" charset="0"/>
+                <a:cs typeface="Courier 10 Pitch" pitchFamily="1" charset="0"/>
+              </a:defRPr>
+            </a:pPr>
+          </a:p>
+        </p:txBody>
+      </p:sp>
+      <p:sp>
+        <p:nvSpPr>
+          <p:cNvPr id="7" name="CadreTexte5"/>
+          <p:cNvSpPr txBox="1">
+            <a:extLst>
+              <a:ext uri="smNativeData">
+                <pr:smNativeData xmlns:pr="smNativeData" xmlns="smNativeData" val="SMDATA_15_0rbXYhMAAAAlAAAAEgAAAE8BAAAAkAAAAEgAAACQAAAASAAAAAAAAAAAAAAAAAAAAAEAAABQAAAAAAAAAAAA4D8AAAAAAADgPwAAAAAAAOA/AAAAAAAA4D8AAAAAAADgPwAAAAAAAOA/AAAAAAAA4D8AAAAAAADgPwAAAAAAAOA/AAAAAAAA4D8CAAAAjAAAAAEAAAAAAAAAH0l9C////wgAAAAAAAAAAAAAAAAAAAAAAAAAAAAAAAAAAAAAZAAAAAEAAABAAAAAAAAAAAAAAAAAAAAAAAAAAAAAAAAAAAAAAAAAAAAAAAAAAAAAAAAAAAAAAAAAAAAAAAAAAAAAAAAAAAAAAAAAAAAAAAAAAAAAAAAAAAAAAAAAAAAAFAAAADwAAAABAAAAAAAAAB9JfQsUAAAAAQAAABQAAAAUAAAAFAAAAAEAAAAAAAAAZAAAAGQAAAAAAAAAZAAAAGQAAAAVAAAAYAAAAAAAAAAAAAAADwAAACADAAAAAAAAAAAAAAEAAACgMgAAVgcAAKr4//8BAAAAf39/AAEAAABkAAAAAAAAABQAAABAHwAAAAAAACYAAAAAAAAAwOD//wAAAAAmAAAAZAAAABYAAABMAAAAAAAAAAAAAAAEAAAAAAAAAAEAAADu7OEKAAAAACgAAAAoAAAAZAAAAGQAAAAAAAAAzMzMAAAAAABQAAAAUAAAAGQAAABkAAAAAAAAABcAAAAUAAAAAAAAAJUIAAD/fwAA/38AAAAAAAAJAAAABAAAAAAAAAAeAAAAaAAAAAAAAAAAAAAAAAAAAAAAAAAAAAAAECcAABAnAAAAAAAAAAAAAAAAAAAAAAAAAAAAAAAAAAAAAAAAAAAAABQAAAAAAAAAwMD/AAAAAABkAAAAMgAAAAAAAABkAAAAAAAAAH9/fwAKAAAAIgAAABgAAAAAAAAAAAAAAAAAAAAAAAAAAAAAAAAAAAAkAAAAJAAAAAAAAAAHAAAAAAAAAAAAAAAAAAAAAAAAAAAAAAAAAAAAf39/ACUAAABYAAAAAAAAAAAAAAAAAAAAAAAAAAAAAAAAAAAAAAAAAAAAAAAAAAAAAAAAAAAAAAA/AAAAAAAAAKCGAQAAAAAAAAAAAAAAAAAMAAAAAQAAAAAAAAAAAAAAAAAAAB8AAABUAAAAH0l9BP///wEAAAAAAAAAAAAAAAAAAAAAAAAAAAAAAAAAAAAAAAAAAB9JfQR/f38A7uzhA8zMzADAwP8Af39/AAAAAAAAAAAAAAAAAAAAAAAAAAAAIQAAABgAAAAUAAAAewcAAH0GAACtFAAAjQsAAAAgAAAmAAAACAAAAP//////////"/>
+              </a:ext>
+            </a:extLst>
+          </p:cNvSpPr>
+          <p:nvPr/>
+        </p:nvSpPr>
+        <p:spPr>
+          <a:xfrm>
+            <a:off x="1216025" y="1054735"/>
+            <a:ext cx="2145030" cy="822960"/>
+          </a:xfrm>
+          <a:prstGeom prst="rect">
+            <a:avLst/>
+          </a:prstGeom>
+          <a:solidFill>
+            <a:schemeClr val="tx2"/>
+          </a:solidFill>
+          <a:ln w="12700" cap="flat" cmpd="sng" algn="ctr">
+            <a:solidFill>
+              <a:schemeClr val="tx2"/>
+            </a:solidFill>
+            <a:prstDash val="solid"/>
+            <a:headEnd type="none"/>
+            <a:tailEnd type="none"/>
+          </a:ln>
+          <a:effectLst/>
+        </p:spPr>
+        <p:txBody>
+          <a:bodyPr vert="horz" wrap="square" numCol="1" spcCol="215900" anchor="t"/>
+          <a:lstStyle/>
+          <a:p>
+            <a:pPr algn="ctr">
+              <a:defRPr lang="fr-fr" sz="4800" cap="none">
+                <a:solidFill>
+                  <a:schemeClr val="bg1"/>
+                </a:solidFill>
+              </a:defRPr>
+            </a:pPr>
+            <a:r>
+              <a:t>DATA</a:t>
+            </a:r>
+          </a:p>
+        </p:txBody>
+      </p:sp>
+      <p:sp>
+        <p:nvSpPr>
+          <p:cNvPr id="8" name="CadreTexte6"/>
+          <p:cNvSpPr txBox="1">
+            <a:extLst>
+              <a:ext uri="smNativeData">
+                <pr:smNativeData xmlns:pr="smNativeData" xmlns="smNativeData" val="SMDATA_15_0rbXYhMAAAAlAAAAEgAAAE8BAAAAkAAAAEgAAACQAAAASAAAAAAAAAAAAAAAAAAAAAEAAABQAAAAAAAAAAAA4D8AAAAAAADgPwAAAAAAAOA/AAAAAAAA4D8AAAAAAADgPwAAAAAAAOA/AAAAAAAA4D8AAAAAAADgPwAAAAAAAOA/AAAAAAAA4D8CAAAAjAAAAAEAAAAAAAAAwFBNDf///wgAAAAAAAAAAAAAAAAAAAAAAAAAAAAAAAAAAAAAZAAAAAEAAABAAAAAAAAAAAAAAAAAAAAAAAAAAAAAAAAAAAAAAAAAAAAAAAAAAAAAAAAAAAAAAAAAAAAAAAAAAAAAAAAAAAAAAAAAAAAAAAAAAAAAAAAAAAAAAAAAAAAAFAAAADwAAAABAAAAAAAAAMBQTQ0UAAAAAQAAABQAAAAUAAAAFAAAAAEAAAAAAAAAZAAAAGQAAAAAAAAAZAAAAGQAAAAVAAAAYAAAAAAAAAAAAAAADwAAACADAAAAAAAAAAAAAAEAAACgMgAAVgcAAKr4//8BAAAAf39/AAEAAABkAAAAAAAAABQAAABAHwAAAAAAACYAAAAAAAAAwOD//wAAAAAmAAAAZAAAABYAAABMAAAAAAAAAAAAAAAEAAAAAAAAAAEAAADu7OEKAAAAACgAAAAoAAAAZAAAAGQAAAAAAAAAzMzMAAAAAABQAAAAUAAAAGQAAABkAAAAAAAAABcAAAAUAAAAAAAAAJUIAAD/fwAA/38AAAAAAAAJAAAABAAAAC8AAAAeAAAAaAAAAAAAAAAAAAAAAAAAAAAAAAAAAAAAECcAABAnAAAAAAAAAAAAAAAAAAAAAAAAAAAAAAAAAAAAAAAAAAAAABQAAAAAAAAAwMD/AAAAAABkAAAAMgAAAAAAAABkAAAAAAAAAH9/fwAKAAAAIgAAABgAAAAAAAAAAAAAAAAAAAAAAAAAAAAAAAAAAAAkAAAAJAAAAAAAAAAHAAAAAAAAAAAAAAAAAAAAAAAAAAAAAAAAAAAAf39/ACUAAABYAAAAAAAAAAAAAAAAAAAAAAAAAAAAAAAAAAAAAAAAAAAAAAAAAAAAAAAAAAAAAAA/AAAAAAAAAKCGAQAAAAAAAAAAAAAAAAAMAAAAAQAAAAAAAAAAAAAAAAAAAB8AAABUAAAAwFBNBv///wEAAAAAAAAAAAAAAAAAAAAAAAAAAAAAAAAAAAAAAAAAAMBQTQZ/f38A7uzhA8zMzADAwP8Af39/AAAAAAAAAAAAAAAAAAAAAAAAAAAAIQAAABgAAAAUAAAApwYAAOwbAABdFgAA/CAAAAAgAAAmAAAACAAAAP//////////"/>
+              </a:ext>
+            </a:extLst>
+          </p:cNvSpPr>
+          <p:nvPr/>
+        </p:nvSpPr>
+        <p:spPr>
+          <a:xfrm>
+            <a:off x="1081405" y="4538980"/>
+            <a:ext cx="2553970" cy="822960"/>
+          </a:xfrm>
+          <a:prstGeom prst="rect">
+            <a:avLst/>
+          </a:prstGeom>
+          <a:solidFill>
+            <a:schemeClr val="accent2"/>
+          </a:solidFill>
+          <a:ln w="12700" cap="flat" cmpd="sng" algn="ctr">
+            <a:solidFill>
+              <a:schemeClr val="accent2"/>
+            </a:solidFill>
+            <a:prstDash val="solid"/>
+            <a:headEnd type="none"/>
+            <a:tailEnd type="none"/>
+          </a:ln>
+          <a:effectLst/>
+        </p:spPr>
+        <p:txBody>
+          <a:bodyPr vert="horz" wrap="square" numCol="1" spcCol="215900" anchor="t"/>
+          <a:lstStyle/>
+          <a:p>
+            <a:pPr algn="ctr">
+              <a:defRPr lang="fr-fr" sz="4800" cap="none">
+                <a:solidFill>
+                  <a:schemeClr val="bg1"/>
+                </a:solidFill>
+              </a:defRPr>
+            </a:pPr>
+            <a:r>
+              <a:t>MODEL</a:t>
+            </a:r>
+          </a:p>
+        </p:txBody>
+      </p:sp>
+      <p:sp>
+        <p:nvSpPr>
+          <p:cNvPr id="9" name="CadreTexte7"/>
+          <p:cNvSpPr txBox="1">
+            <a:extLst>
+              <a:ext uri="smNativeData">
+                <pr:smNativeData xmlns:pr="smNativeData" xmlns="smNativeData" val="SMDATA_15_0rbXYhMAAAAlAAAAEgAAAE8BAAAAkAAAAEgAAACQAAAASAAAAAAAAAAAAAAAAAAAAAEAAABQAAAAAAAAAAAA4D8AAAAAAADgPwAAAAAAAOA/AAAAAAAA4D8AAAAAAADgPwAAAAAAAOA/AAAAAAAA4D8AAAAAAADgPwAAAAAAAOA/AAAAAAAA4D8CAAAAjAAAAAEAAAAAAAAAgGSiAP///wgAAAAAAAAAAAAAAAAAAAAAAAAAAAAAAAAAAAAAZAAAAAEAAABAAAAAAAAAAAAAAAAAAAAAAAAAAAAAAAAAAAAAAAAAAAAAAAAAAAAAAAAAAAAAAAAAAAAAAAAAAAAAAAAAAAAAAAAAAAAAAAAAAAAAAAAAAAAAAAAAAAAAFAAAADwAAAABAAAAAAAAAIBkogAUAAAAAQAAABQAAAAUAAAAFAAAAAEAAAAAAAAAZAAAAGQAAAAAAAAAZAAAAGQAAAAVAAAAYAAAAAAAAAAAAAAADwAAACADAAAAAAAAAAAAAAEAAACgMgAAVgcAAKr4//8BAAAAf39/AAEAAABkAAAAAAAAABQAAABAHwAAAAAAACYAAAAAAAAAwOD//wAAAAAmAAAAZAAAABYAAABMAAAAAAAAAAAAAAAEAAAAAAAAAAEAAADu7OEKAAAAACgAAAAoAAAAZAAAAGQAAAAAAAAAzMzMAAAAAABQAAAAUAAAAGQAAABkAAAAAAAAABcAAAAUAAAAAAAAAJUIAAD/fwAA/38AAAAAAAAJAAAABAAAAC8AAAAeAAAAaAAAAAAAAAAAAAAAAAAAAAAAAAAAAAAAECcAABAnAAAAAAAAAAAAAAAAAAAAAAAAAAAAAAAAAAAAAAAAAAAAABQAAAAAAAAAwMD/AAAAAABkAAAAMgAAAAAAAABkAAAAAAAAAH9/fwAKAAAAIgAAABgAAAAAAAAAAAAAAAAAAAAAAAAAAAAAAAAAAAAkAAAAJAAAAAAAAAAHAAAAAAAAAAAAAAAAAAAAAAAAAAAAAAAAAAAAf39/ACUAAABYAAAAAAAAAAAAAAAAAAAAAAAAAAAAAAAAAAAAAAAAAAAAAAAAAAAAAAAAAAAAAAA/AAAAAAAAAKCGAQAAAAAAAAAAAAAAAAAMAAAAAQAAAAAAAAAAAAAAAAAAAB8AAABUAAAAgGSiCv///wEAAAAAAAAAAAAAAAAAAAAAAAAAAAAAAAAAAAAAAAAAAIBkogp/f38A7uzhA8zMzADAwP8Af39/AAAAAAAAAAAAAAAAAAAAAAAAAAAAIQAAABgAAAAUAAAAXiIAAGwGAADrMQAAfAsAAAAgAAAmAAAACAAAAP//////////"/>
+              </a:ext>
+            </a:extLst>
+          </p:cNvSpPr>
+          <p:nvPr/>
+        </p:nvSpPr>
+        <p:spPr>
+          <a:xfrm>
+            <a:off x="5586730" y="1043940"/>
+            <a:ext cx="2527935" cy="822960"/>
+          </a:xfrm>
+          <a:prstGeom prst="rect">
+            <a:avLst/>
+          </a:prstGeom>
+          <a:solidFill>
+            <a:schemeClr val="accent4"/>
+          </a:solidFill>
+          <a:ln w="12700" cap="flat" cmpd="sng" algn="ctr">
+            <a:solidFill>
+              <a:schemeClr val="accent4"/>
+            </a:solidFill>
+            <a:prstDash val="solid"/>
+            <a:headEnd type="none"/>
+            <a:tailEnd type="none"/>
+          </a:ln>
+          <a:effectLst/>
+        </p:spPr>
+        <p:txBody>
+          <a:bodyPr vert="horz" wrap="square" numCol="1" spcCol="215900" anchor="t"/>
+          <a:lstStyle/>
+          <a:p>
+            <a:pPr algn="ctr">
+              <a:defRPr lang="fr-fr" sz="4800" cap="none">
+                <a:solidFill>
+                  <a:schemeClr val="bg1"/>
+                </a:solidFill>
+              </a:defRPr>
+            </a:pPr>
+            <a:r>
+              <a:t>MOVES</a:t>
+            </a:r>
+          </a:p>
+        </p:txBody>
+      </p:sp>
+      <p:sp>
+        <p:nvSpPr>
+          <p:cNvPr id="10" name="CadreTexte8"/>
+          <p:cNvSpPr txBox="1">
+            <a:extLst>
+              <a:ext uri="smNativeData">
+                <pr:smNativeData xmlns:pr="smNativeData" xmlns="smNativeData" val="SMDATA_15_0rbXYhMAAAAlAAAAEgAAAE8BAAAAkAAAAEgAAACQAAAASAAAAAAAAAAAAAAAAAAAAAEAAABQAAAAAAAAAAAA4D8AAAAAAADgPwAAAAAAAOA/AAAAAAAA4D8AAAAAAADgPwAAAAAAAOA/AAAAAAAA4D8AAAAAAADgPwAAAAAAAOA/AAAAAAAA4D8CAAAAjAAAAAEAAAAAAAAAAH8AAP///wgAAAAAAAAAAAAAAAAAAAAAAAAAAAAAAAAAAAAAZAAAAAEAAABAAAAAAAAAAAAAAAAAAAAAAAAAAAAAAAAAAAAAAAAAAAAAAAAAAAAAAAAAAAAAAAAAAAAAAAAAAAAAAAAAAAAAAAAAAAAAAAAAAAAAAAAAAAAAAAAAAAAAFAAAADwAAAABAAAAAAAAAAB/AAAUAAAAAQAAABQAAAAUAAAAFAAAAAEAAAAAAAAAZAAAAGQAAAAAAAAAZAAAAGQAAAAVAAAAYAAAAAAAAAAAAAAADwAAACADAAAAAAAAAAAAAAEAAACgMgAAVgcAAKr4//8BAAAAf39/AAEAAABkAAAAAAAAABQAAABAHwAAAAAAACYAAAAAAAAAwOD//wAAAAAmAAAAZAAAABYAAABMAAAAAAAAAAAAAAAEAAAAAAAAAAEAAADu7OEKAAAAACgAAAAoAAAAZAAAAGQAAAAAAAAAzMzMAAAAAABQAAAAUAAAAGQAAABkAAAAAAAAABcAAAAUAAAAAAAAAJUIAAD/fwAA/38AAAAAAAAJAAAABAAAAC8AAAAeAAAAaAAAAAAAAAAAAAAAAAAAAAAAAAAAAAAAECcAABAnAAAAAAAAAAAAAAAAAAAAAAAAAAAAAAAAAAAAAAAAAAAAABQAAAAAAAAAwMD/AAAAAABkAAAAMgAAAAAAAABkAAAAAAAAAH9/fwAKAAAAIgAAABgAAAAAAAAAAAAAAAAAAAAAAAAAAAAAAAAAAAAkAAAAJAAAAAAAAAAHAAAAAAAAAAAAAAAAAAAAAAAAAAAAAAAAAAAAf39/ACUAAABYAAAAAAAAAAAAAAAAAAAAAAAAAAAAAAAAAAAAAAAAAAAAAAAAAAAAAAAAAAAAAAA/AAAAAAAAAKCGAQAAAAAAAAAAAAAAAAAMAAAAAQAAAAAAAAAAAAAAAAAAAB8AAABUAAAAAH8AAP///wEAAAAAAAAAAAAAAAAAAAAAAAAAAAAAAAAAAAAAAAAAAAB/AAB/f38A7uzhA8zMzADAwP8Af39/AAAAAAAAAAAAAAAAAAAAAAAAAAAAIQAAABgAAAAUAAAATSIAANcbAADaMQAA5yAAAAAgAAAmAAAACAAAAP//////////"/>
+              </a:ext>
+            </a:extLst>
+          </p:cNvSpPr>
+          <p:nvPr/>
+        </p:nvSpPr>
+        <p:spPr>
+          <a:xfrm>
+            <a:off x="5575935" y="4525645"/>
+            <a:ext cx="2527935" cy="822960"/>
+          </a:xfrm>
+          <a:prstGeom prst="rect">
+            <a:avLst/>
+          </a:prstGeom>
+          <a:solidFill>
+            <a:srgbClr val="007F00"/>
+          </a:solidFill>
+          <a:ln w="12700" cap="flat" cmpd="sng" algn="ctr">
+            <a:solidFill>
+              <a:srgbClr val="007F00"/>
+            </a:solidFill>
+            <a:prstDash val="solid"/>
+            <a:headEnd type="none"/>
+            <a:tailEnd type="none"/>
+          </a:ln>
+          <a:effectLst/>
+        </p:spPr>
+        <p:txBody>
+          <a:bodyPr vert="horz" wrap="square" numCol="1" spcCol="215900" anchor="t"/>
+          <a:lstStyle/>
+          <a:p>
+            <a:pPr algn="ctr">
+              <a:defRPr lang="fr-fr" sz="4800" cap="none">
+                <a:solidFill>
+                  <a:schemeClr val="bg1"/>
+                </a:solidFill>
+              </a:defRPr>
+            </a:pPr>
+            <a:r>
+              <a:t>MCMC</a:t>
+            </a:r>
           </a:p>
         </p:txBody>
       </p:sp>
@@ -11693,7 +11650,7 @@
 </file>
 
 <file path=ppt/slides/slide32.xml><?xml version="1.0" encoding="utf-8"?>
-<p:sld xmlns:p="http://schemas.openxmlformats.org/presentationml/2006/main" xmlns:mc="http://schemas.openxmlformats.org/markup-compatibility/2006" xmlns:p14="http://schemas.microsoft.com/office/powerpoint/2010/main" xmlns:p15="http://schemas.microsoft.com/office/powerpoint/2012/main" xmlns:r="http://schemas.openxmlformats.org/officeDocument/2006/relationships" xmlns:a="http://schemas.openxmlformats.org/drawingml/2006/main" mc:Ignorable="p14" show="0">
+<p:sld xmlns:p="http://schemas.openxmlformats.org/presentationml/2006/main" xmlns:mc="http://schemas.openxmlformats.org/markup-compatibility/2006" xmlns:p14="http://schemas.microsoft.com/office/powerpoint/2010/main" xmlns:p15="http://schemas.microsoft.com/office/powerpoint/2012/main" xmlns:r="http://schemas.openxmlformats.org/officeDocument/2006/relationships" xmlns:a="http://schemas.openxmlformats.org/drawingml/2006/main" mc:Ignorable="p14">
   <p:cSld>
     <p:spTree>
       <p:nvGrpSpPr>
@@ -11711,12 +11668,12 @@
       </p:grpSpPr>
       <p:sp>
         <p:nvSpPr>
-          <p:cNvPr id="2" name="Titre 1"/>
+          <p:cNvPr id="2" name="TitreDiapositive1"/>
           <p:cNvSpPr>
             <a:spLocks noGrp="1" noChangeArrowheads="1"/>
             <a:extLst>
               <a:ext uri="smNativeData">
-                <pr:smNativeData xmlns:pr="smNativeData" xmlns="smNativeData" val="SMDATA_15_iunWYhMAAAAlAAAAZAAAAA0AAAAAkAAAAEgAAACQAAAASAAAAAAAAAABAAAAAAAAAAEAAABQAAAAAAAAAAAA4D8AAAAAAADgPwAAAAAAAOA/AAAAAAAA4D8AAAAAAADgPwAAAAAAAOA/AAAAAAAA4D8AAAAAAADgPwAAAAAAAOA/AAAAAAAA4D8CAAAAjAAAAAAAAAAAAAAAT4G9DP///wgAAAAAAAAAAAAAAAAAAAAAAAAAAAAAAAAAAAAAZAAAAAEAAABAAAAAAAAAAAAAAAAAAAAAAAAAAAAAAAAAAAAAAAAAAAAAAAAAAAAAAAAAAAAAAAAAAAAAAAAAAAAAAAAAAAAAAAAAAAAAAAAAAAAAAAAAAAAAAAAAAAAAFAAAADwAAAAAAAAAAAAAAAAAAAkUAAAAAQAAABQAAAAUAAAAFAAAAAEAAAAAAAAAZAAAAGQAAAAAAAAAZAAAAGQAAAAVAAAAYAAAAAAAAAAAAAAADwAAACADAAAAAAAAAAAAAAEAAACgMgAAVgcAAKr4//8BAAAAf39/AAEAAABkAAAAAAAAABQAAABAHwAAAAAAACYAAAAAAAAAwOD//wAAAAAmAAAAZAAAABYAAABMAAAAAAAAAAAAAAAEAAAAAAAAAAEAAADu7OEKAAAAACgAAAAoAAAAZAAAAGQAAAAAAAAAzMzMAAAAAABQAAAAUAAAAGQAAABkAAAAAAAAABcAAAAUAAAAAAAAAAAAAAD/fwAA/38AAAAAAAAJAAAABAAAAAAAAAEeAAAAaAAAAAAAAAAAAAAAAAAAAAAAAAAAAAAAECcAABAnAAAAAAAAAAAAAAAAAAAAAAAAAAAAAAAAAAAAAAAAAAAAABQAAAAAAAAAwMD/AAAAAABkAAAAMgAAAAAAAABkAAAAAAAAAH9/fwAKAAAAIgAAABgAAAAAAAAAAAAAAAAAAAAAAAAAAAAAAAAAAAAkAAAAJAAAAAAAAAAHAAAAAAAAAAAAAAAAAAAAAAAAAAAAAAAAAAAAf39/ACUAAABYAAAAAAAAAAAAAAAAAAAAAAAAAAAAAAAAAAAAAAAAAAAAAAAAAAAAAAAAAAAAAAA/AAAAAAAAAKCGAQAAAAAAAAAAAAAAAAAMAAAAAQAAAAAAAAAAAAAAAAAAAB8AAABUAAAAT4G9Bf///wEAAAAAAAAAAAAAAAAAAAAAAAAAAAAAAAAAAAAAAAAAAAAAAAJ/f38A7uzhA8zMzADAwP8Af39/AAAAAAAAAAAAAAAAAAAAAAAAAAAAIQAAABgAAAAUAAAA0AIAALEBAABwNQAAuQgAABAAAAAmAAAACAAAAAAgAAAAAAAA"/>
+                <pr:smNativeData xmlns:pr="smNativeData" xmlns="smNativeData" val="SMDATA_15_0rbXYhMAAAAlAAAAZAAAAA0AAAAAkAAAAEgAAACQAAAASAAAAAAAAAABAAAAAAAAAAEAAABQAAAAAAAAAAAA4D8AAAAAAADgPwAAAAAAAOA/AAAAAAAA4D8AAAAAAADgPwAAAAAAAOA/AAAAAAAA4D8AAAAAAADgPwAAAAAAAOA/AAAAAAAA4D8CAAAAjAAAAAAAAAAAAAAAT4G9DP///wgAAAAAAAAAAAAAAAAAAAAAAAAAAAAAAAAAAAAAZAAAAAEAAABAAAAAAAAAAAAAAAAAAAAAAAAAAAAAAAAAAAAAAAAAAAAAAAAAAAAAAAAAAAAAAAAAAAAAAAAAAAAAAAAAAAAAAAAAAAAAAAAAAAAAAAAAAAAAAAAAAAAAFAAAADwAAAAAAAAAAAAAAAAAAAkUAAAAAQAAABQAAAAUAAAAFAAAAAEAAAAAAAAAZAAAAGQAAAAAAAAAZAAAAGQAAAAVAAAAYAAAAAAAAAAAAAAADwAAACADAAAAAAAAAAAAAAEAAACgMgAAVgcAAKr4//8BAAAAf39/AAEAAABkAAAAAAAAABQAAABAHwAAAAAAACYAAAAAAAAAwOD//wAAAAAmAAAAZAAAABYAAABMAAAAAAAAAAAAAAAEAAAAAAAAAAEAAADu7OEKAAAAACgAAAAoAAAAZAAAAGQAAAAAAAAAzMzMAAAAAABQAAAAUAAAAGQAAABkAAAAAAAAABcAAAAUAAAAAAAAAAAAAAD/fwAA/38AAAAAAAAJAAAABAAAAAAEAAAeAAAAaAAAAAAAAAAAAAAAAAAAAAAAAAAAAAAAECcAABAnAAAAAAAAAAAAAAAAAAAAAAAAAAAAAAAAAAAAAAAAAAAAABQAAAAAAAAAwMD/AAAAAABkAAAAMgAAAAAAAABkAAAAAAAAAH9/fwAKAAAAIgAAABgAAAAAAAAAAAAAAAAAAAAAAAAAAAAAAAAAAAAkAAAAJAAAAAAAAAAHAAAAAAAAAAAAAAAAAAAAAAAAAAAAAAAAAAAAf39/ACUAAABYAAAAAAAAAAAAAAAAAAAAAAAAAAAAAAAAAAAAAAAAAAAAAAAAAAAAAAAAAAAAAAA/AAAAAAAAAKCGAQAAAAAAAAAAAAAAAAAMAAAAAQAAAAAAAAAAAAAAAAAAAB8AAABUAAAAT4G9Bf///wEAAAAAAAAAAAAAAAAAAAAAAAAAAAAAAAAAAAAAAAAAAAAAAAJ/f38A7uzhA8zMzADAwP8Af39/AAAAAAAAAAAAAAAAAAAAAAAAAAAAIQAAABgAAAAUAAAA0AIAALEBAABwNQAAuQgAAAAAAAAmAAAACAAAAAEAAAAAAAAA"/>
               </a:ext>
             </a:extLst>
           </p:cNvSpPr>
@@ -11724,35 +11681,33 @@
             <p:ph type="title"/>
           </p:nvPr>
         </p:nvSpPr>
-        <p:spPr/>
+        <p:spPr>
+          <a:xfrm>
+            <a:off x="457200" y="274955"/>
+            <a:ext cx="8229600" cy="1143000"/>
+          </a:xfrm>
+        </p:spPr>
         <p:txBody>
-          <a:bodyPr vert="horz" wrap="square" lIns="91440" tIns="45720" rIns="91440" bIns="45720" numCol="1" spcCol="215900" anchor="ctr">
-            <a:prstTxWarp prst="textNoShape">
-              <a:avLst/>
-            </a:prstTxWarp>
-          </a:bodyPr>
+          <a:bodyPr/>
           <a:lstStyle/>
           <a:p>
             <a:pPr>
-              <a:spcBef>
-                <a:spcPts val="0"/>
-              </a:spcBef>
-              <a:defRPr lang="fr-fr" sz="3960" cap="none"/>
-            </a:pPr>
-            <a:r>
-              <a:t>Example: toxoplasmosis in boars (from Guillaume Kon Kam King)</a:t>
+              <a:defRPr lang="fr-fr"/>
+            </a:pPr>
+            <a:r>
+              <a:t>Advice on organizing an analysis</a:t>
             </a:r>
           </a:p>
         </p:txBody>
       </p:sp>
       <p:sp>
         <p:nvSpPr>
-          <p:cNvPr id="3" name="Espace réservé du contenu 2"/>
+          <p:cNvPr id="3" name="TexteDiapositive1"/>
           <p:cNvSpPr>
             <a:spLocks noGrp="1" noChangeArrowheads="1"/>
             <a:extLst>
               <a:ext uri="smNativeData">
-                <pr:smNativeData xmlns:pr="smNativeData" xmlns="smNativeData" val="SMDATA_15_iunWYhMAAAAlAAAAZAAAAA0AAAAAkAAAAEgAAACQAAAASAAAAAAAAAAAAAAAAAAAAAEAAABQAAAAAAAAAAAA4D8AAAAAAADgPwAAAAAAAOA/AAAAAAAA4D8AAAAAAADgPwAAAAAAAOA/AAAAAAAA4D8AAAAAAADgPwAAAAAAAOA/AAAAAAAA4D8CAAAAjAAAAAAAAAAAAAAAT4G9DP///wgAAAAAAAAAAAAAAAAAAAAAAAAAAAAAAAAAAAAAZAAAAAEAAABAAAAAAAAAAAAAAAAAAAAAAAAAAAAAAAAAAAAAAAAAAAAAAAAAAAAAAAAAAAAAAAAAAAAAAAAAAAAAAAAAAAAAAAAAAAAAAAAAAAAAAAAAAAAAAAAAAAAAFAAAADwAAAAAAAAAAAAAAAAAAAkUAAAAAQAAABQAAAAUAAAAFAAAAAEAAAAAAAAAZAAAAGQAAAAAAAAAZAAAAGQAAAAVAAAAYAAAAAAAAAAAAAAADwAAACADAAAAAAAAAAAAAAEAAACgMgAAVgcAAKr4//8BAAAAf39/AAEAAABkAAAAAAAAABQAAABAHwAAAAAAACYAAAAAAAAAwOD//wAAAAAmAAAAZAAAABYAAABMAAAAAAAAAAAAAAAEAAAAAAAAAAEAAADu7OEKAAAAACgAAAAoAAAAZAAAAGQAAAAAAAAAzMzMAAAAAABQAAAAUAAAAGQAAABkAAAAAAAAABcAAAAUAAAAAAAAAAAAAAD/fwAA/38AAAAAAAAJAAAABAAAAO7g5f8eAAAAaAAAAAAAAAAAAAAAAAAAAAAAAAAAAAAAECcAABAnAAAAAAAAAAAAAAAAAAAAAAAAAAAAAAAAAAAAAAAAAAAAABQAAAAAAAAAwMD/AAAAAABkAAAAMgAAAAAAAABkAAAAAAAAAH9/fwAKAAAAIgAAABgAAAAAAAAAAAAAAAAAAAAAAAAAAAAAAAAAAAAkAAAAJAAAAAAAAAAHAAAAAAAAAAAAAAAAAAAAAAAAAAAAAAAAAAAAf39/ACUAAABYAAAAAAAAAAAAAAAAAAAAAAAAAAAAAAAAAAAAAAAAAAAAAAAAAAAAAAAAAAAAAAA/AAAAAAAAAKCGAQAAAAAAAAAAAAAAAAAMAAAAAQAAAAAAAAAAAAAAAAAAAB8AAABUAAAAT4G9Bf///wEAAAAAAAAAAAAAAAAAAAAAAAAAAAAAAAAAAAAAAAAAAAAAAAJ/f38A7uzhA8zMzADAwP8Af39/AAAAAAAAAAAAAAAAAAAAAAAAAAAAIQAAABgAAAAUAAAA0AIAALkIAABwNQAAkCQAABAAAAAmAAAACAAAAAEAAAAAAAAA"/>
+                <pr:smNativeData xmlns:pr="smNativeData" xmlns="smNativeData" val="SMDATA_15_0rbXYhMAAAAlAAAAZAAAAA0AAAAAkAAAAEgAAACQAAAASAAAAAAAAAAAAAAAAAAAAAEAAABQAAAAAAAAAAAA4D8AAAAAAADgPwAAAAAAAOA/AAAAAAAA4D8AAAAAAADgPwAAAAAAAOA/AAAAAAAA4D8AAAAAAADgPwAAAAAAAOA/AAAAAAAA4D8CAAAAjAAAAAAAAAAAAAAAT4G9DP///wgAAAAAAAAAAAAAAAAAAAAAAAAAAAAAAAAAAAAAZAAAAAEAAABAAAAAAAAAAAAAAAAAAAAAAAAAAAAAAAAAAAAAAAAAAAAAAAAAAAAAAAAAAAAAAAAAAAAAAAAAAAAAAAAAAAAAAAAAAAAAAAAAAAAAAAAAAAAAAAAAAAAAFAAAADwAAAAAAAAAAAAAAAAAAAkUAAAAAQAAABQAAAAUAAAAFAAAAAEAAAAAAAAAZAAAAGQAAAAAAAAAZAAAAGQAAAAVAAAAYAAAAAAAAAAAAAAADwAAACADAAAAAAAAAAAAAAEAAACgMgAAVgcAAKr4//8BAAAAf39/AAEAAABkAAAAAAAAABQAAABAHwAAAAAAACYAAAAAAAAAwOD//wAAAAAmAAAAZAAAABYAAABMAAAAAAAAAAAAAAAEAAAAAAAAAAEAAADu7OEKAAAAACgAAAAoAAAAZAAAAGQAAAAAAAAAzMzMAAAAAABQAAAAUAAAAGQAAABkAAAAAAAAABcAAAAUAAAAAAAAAAAAAAD/fwAA/38AAAAAAAAJAAAABAAAAICMyTEeAAAAaAAAAAAAAAAAAAAAAAAAAAAAAAAAAAAAECcAABAnAAAAAAAAAAAAAAAAAAAAAAAAAAAAAAAAAAAAAAAAAAAAABQAAAAAAAAAwMD/AAAAAABkAAAAMgAAAAAAAABkAAAAAAAAAH9/fwAKAAAAIgAAABgAAAAAAAAAAAAAAAAAAAAAAAAAAAAAAAAAAAAkAAAAJAAAAAAAAAAHAAAAAAAAAAAAAAAAAAAAAAAAAAAAAAAAAAAAf39/ACUAAABYAAAAAAAAAAAAAAAAAAAAAAAAAAAAAAAAAAAAAAAAAAAAAAAAAAAAAAAAAAAAAAA/AAAAAAAAAKCGAQAAAAAAAAAAAAAAAAAMAAAAAQAAAAAAAAAAAAAAAAAAAB8AAABUAAAAT4G9Bf///wEAAAAAAAAAAAAAAAAAAAAAAAAAAAAAAAAAAAAAAAAAAAAAAAJ/f38A7uzhA8zMzADAwP8Af39/AAAAAAAAAAAAAAAAAAAAAAAAAAAAIQAAABgAAAAUAAAA0AIAANgJAABwNQAAsCUAAAAAAAAmAAAACAAAAAEAAAAAAAAA"/>
               </a:ext>
             </a:extLst>
           </p:cNvSpPr>
@@ -11762,8 +11717,8 @@
         </p:nvSpPr>
         <p:spPr>
           <a:xfrm>
-            <a:off x="457200" y="1417955"/>
-            <a:ext cx="8229600" cy="4525645"/>
+            <a:off x="457200" y="1600200"/>
+            <a:ext cx="8229600" cy="4526280"/>
           </a:xfrm>
         </p:spPr>
         <p:txBody>
@@ -11774,227 +11729,129 @@
               <a:defRPr lang="fr-fr"/>
             </a:pPr>
             <a:r>
-              <a:t>We model toxoplasmosis in boars as follows:</a:t>
-            </a:r>
-          </a:p>
-        </p:txBody>
-      </p:sp>
-      <p:pic>
-        <p:nvPicPr>
-          <p:cNvPr id="4" name="Image 3"/>
-          <p:cNvPicPr>
-            <a:picLocks noChangeAspect="1"/>
-            <a:extLst>
-              <a:ext uri="smNativeData">
-                <pr:smNativeData xmlns:pr="smNativeData" xmlns="smNativeData" val="SMDATA_17_iunWYhMAAAAlAAAAEQAAAC0AAAAAkAAAAEgAAACQAAAASAAAAAAAAAAAAAAAAAAAAAEAAABQAAAAAAAAAAAA4D8AAAAAAADgPwAAAAAAAOA/AAAAAAAA4D8AAAAAAADgPwAAAAAAAOA/AAAAAAAA4D8AAAAAAADgPwAAAAAAAOA/AAAAAAAA4D8CAAAAjAAAAAAAAAAAAAAAT4G9DP///wgAAAAAAAAAAAAAAAAAAAAAAAAAAAAAAAAAAAAAZAAAAAEAAABAAAAAAAAAAAAAAAAAAAAAAAAAAAAAAAAAAAAAAAAAAAAAAAAAAAAAAAAAAAAAAAAAAAAAAAAAAAAAAAAAAAAAAAAAAAAAAAAAAAAAAAAAAAAAAAAAAAAAFAAAADwAAAAAAAAAAAAAAAAAAAkUAAAAAQAAABQAAAAUAAAAFAAAAAEAAAAAAAAAZAAAAGQAAAAAAAAAZAAAAGQAAAAVAAAAYAAAAAAAAAAAAAAADwAAACADAAAAAAAAAAAAAAEAAACgMgAAVgcAAKr4//8BAAAAf39/AAEAAABkAAAAAAAAABQAAABAHwAAAAAAACYAAAAAAAAAwOD//wAAAAAmAAAAZAAAABYAAABMAAAAAAAAAAAAAAAEAAAAAAAAAAEAAADu7OEKAAAAACgAAAAoAAAAZAAAAGQAAAAAAAAAzMzMAAAAAABQAAAAUAAAAGQAAABkAAAAAAAAAAcAAAA4AAAAAAAAAAAAAAAAAAAA////AAAAAAAAAAAAAAAAALoFAAAAAAAAAAAAAAAAAABkAAAAZAAAAAAAAAAjAAAABAAAAGQAAAAXAAAAFAAAAAAAAAAAAAAA/38AAP9/AAAAAAAACQAAAAQAAAAAAAAAHgAAAGgAAAAAAAAAAAAAAAAAAAAAAAAAAAAAABAnAAAQJwAAAAAAAAAAAAAAAAAAAAAAAAAAAAAAAAAAAAAAAAAAAAAUAAAAAAAAAMDA/wAAAAAAZAAAADIAAAAAAAAAZAAAAAAAAAB/f38ACgAAACIAAAAYAAAAAAAAAAAAAAAAAAAAAAAAAAAAAAAAAAAAJAAAACQAAAAAAAAABwAAAAAAAAAAAAAAAAAAAAAAAAAAAAAAAAAAAH9/fwAlAAAAWAAAAAAAAAAAAAAAAAAAAAAAAAAAAAAAAAAAAAAAAAAAAAAAAAAAAAAAAAAAAAAAPwAAAAAAAACghgEAAAAAAAAAAAAAAAAADAAAAAEAAAAAAAAAAAAAAAAAAAAfAAAAVAAAAE+BvQX///8BAAAAAAAAAAAAAAAAAAAAAAAAAAAAAAAAAAAAAAAAAAAAAAACf39/AO7s4QPMzMwAwMD/AH9/fwAAAAAAAAAAAAAAAAD///8AAAAAACEAAAAYAAAAFAAAAEz////rDAAASDgAADAqAAAQAAAAJgAAAAgAAAD//////////w=="/>
-              </a:ext>
-            </a:extLst>
-          </p:cNvPicPr>
-          <p:nvPr/>
-        </p:nvPicPr>
-        <p:blipFill>
-          <a:blip r:embed="rId2"/>
-          <a:srcRect l="0" t="14660" r="0" b="0"/>
-          <a:stretch>
-            <a:fillRect/>
-          </a:stretch>
-        </p:blipFill>
-        <p:spPr>
-          <a:xfrm>
-            <a:off x="-114300" y="2099945"/>
-            <a:ext cx="9263380" cy="4758055"/>
-          </a:xfrm>
-          <a:prstGeom prst="rect">
-            <a:avLst/>
-          </a:prstGeom>
-          <a:noFill/>
-          <a:ln>
-            <a:noFill/>
-          </a:ln>
-          <a:effectLst/>
-        </p:spPr>
-      </p:pic>
-      <p:sp>
-        <p:nvSpPr>
-          <p:cNvPr id="5" name="ZoneTexte 4"/>
-          <p:cNvSpPr>
-            <a:extLst>
-              <a:ext uri="smNativeData">
-                <pr:smNativeData xmlns:pr="smNativeData" xmlns="smNativeData" val="SMDATA_15_iunWYhMAAAAlAAAAZAAAAE0AAAAAkAAAAEgAAACQAAAASAAAAAAAAAAAAAAAAAAAAAEAAABQAAAAAAAAAAAA4D8AAAAAAADgPwAAAAAAAOA/AAAAAAAA4D8AAAAAAADgPwAAAAAAAOA/AAAAAAAA4D8AAAAAAADgPwAAAAAAAOA/AAAAAAAA4D8CAAAAjAAAAAEAAAAAAAAA////CP///wgAAAAAAAAAAAAAAAAAAAAAAAAAAAAAAAAAAAAAeAAAAAEAAABAAAAAAAAAAAAAAABaAAAAAAAAAAAAAAAAAAAAAAAAAAAAAAAAAAAAAAAAAAAAAAAAAAAAAAAAAAAAAAAAAAAAAAAAAAAAAAAAAAAAAAAAAAAAAAAAAAAAFAAAADwAAAAAAAAAAAAAAAAAAAAPAAAAAQAAACMAAAAjAAAAIwAAAB4AAAAAAAAAZAAAAGQAAAAAAAAAZAAAAGQAAAAVAAAAYAAAAAAAAAAAAAAADwAAACADAAAAAAAAAAAAAAEAAACgMgAAVgcAAKr4//8BAAAAf39/AAEAAABkAAAAAAAAABQAAABAHwAAAAAAACYAAAAAAAAAwOD//wAAAAAmAAAAZAAAABYAAABMAAAAAAAAAAAAAAAEAAAAAAAAAAEAAADu7OEKAAAAACgAAAAoAAAAZAAAAGQAAAAAAAAAzMzMAAAAAABQAAAAUAAAAGQAAABkAAAAAAAAABcAAAAUAAAAAAAAAAAAAAD/fwAA/38AAAAAAAAJAAAABAAAAC1BLXYeAAAAaAAAAAAAAAAAAAAAAAAAAAAAAAAAAAAAECcAABAnAAAAAAAAAAAAAAAAAAAAAAAAAAAAAAAAAAAAAAAAAAAAABQAAAAAAAAAwMD/AAAAAABkAAAAMgAAAAAAAABkAAAAAAAAAH9/fwAKAAAAIgAAABgAAAAAAAAAAAAAAAAAAAAAAAAAAAAAAAAAAAAkAAAAJAAAAAAAAAAHAAAAAAAAAAAAAAAAAAAAAAAAAAAAAAAAAAAAf39/ACUAAABYAAAAAAAAAAAAAAAAAAAAAAAAAAAAAAAAAAAAAAAAAAAAAAAAAAAAAAAAAAAAAAA/AAAAAAAAAKCGAQAAAAAAAAAAAAAAAAAMAAAAAQAAAAAAAAAAAAAAAAAAAB8AAABUAAAA////Af///wEAAAAAAAAAAAAAAAAAAAAAAAAAAAAAAAAAAAAAAAAAAAAAAAB/f38A7uzhA8zMzADAwP8Af39/AAAAAAAAAAAAAAAAAAAAAAAAAAAAIQAAABgAAAAUAAAAcBwAAIcMAABMIgAAXw8AABAgAAAmAAAACAAAAP//////////"/>
-              </a:ext>
-            </a:extLst>
-          </p:cNvSpPr>
-          <p:nvPr/>
-        </p:nvSpPr>
-        <p:spPr>
-          <a:xfrm>
-            <a:off x="4622800" y="2036445"/>
-            <a:ext cx="952500" cy="462280"/>
-          </a:xfrm>
-          <a:prstGeom prst="rect">
-            <a:avLst/>
-          </a:prstGeom>
-          <a:solidFill>
-            <a:schemeClr val="bg1"/>
-          </a:solidFill>
-          <a:ln>
-            <a:noFill/>
-          </a:ln>
-          <a:effectLst/>
-        </p:spPr>
-        <p:txBody>
-          <a:bodyPr vert="horz" wrap="square" lIns="91440" tIns="45720" rIns="91440" bIns="45720" numCol="1" spcCol="215900" anchor="t"/>
-          <a:lstStyle/>
-          <a:p>
-            <a:pPr>
-              <a:defRPr lang="fr-fr"/>
-            </a:pPr>
-            <a:r>
-              <a:rPr lang="fr-fr" sz="2400" cap="none"/>
-              <a:t>Age</a:t>
-            </a:r>
-            <a:endParaRPr lang="fr-fr" sz="2400" cap="none"/>
-          </a:p>
-        </p:txBody>
-      </p:sp>
-      <p:sp>
-        <p:nvSpPr>
-          <p:cNvPr id="6" name="ZoneTexte 5"/>
-          <p:cNvSpPr>
-            <a:extLst>
-              <a:ext uri="smNativeData">
-                <pr:smNativeData xmlns:pr="smNativeData" xmlns="smNativeData" val="SMDATA_15_iunWYhMAAAAlAAAAZAAAAE0AAAAAkAAAAEgAAACQAAAASAAAAAAAAAAAAAAAAAAAAAEAAABQAAAAAAAAAAAA4D8AAAAAAADgPwAAAAAAAOA/AAAAAAAA4D8AAAAAAADgPwAAAAAAAOA/AAAAAAAA4D8AAAAAAADgPwAAAAAAAOA/AAAAAAAA4D8CAAAAjAAAAAEAAAAAAAAA////CP///wgAAAAAAAAAAAAAAAAAAAAAAAAAAAAAAAAAAAAAeAAAAAEAAABAAAAAAAAAAAAAAABaAAAAAAAAAAAAAAAAAAAAAAAAAAAAAAAAAAAAAAAAAAAAAAAAAAAAAAAAAAAAAAAAAAAAAAAAAAAAAAAAAAAAAAAAAAAAAAAAAAAAFAAAADwAAAAAAAAAAAAAAAAAAAAPAAAAAQAAACMAAAAjAAAAIwAAAB4AAAAAAAAAZAAAAGQAAAAAAAAAZAAAAGQAAAAVAAAAYAAAAAAAAAAAAAAADwAAACADAAAAAAAAAAAAAAEAAACgMgAAVgcAAKr4//8BAAAAf39/AAEAAABkAAAAAAAAABQAAABAHwAAAAAAACYAAAAAAAAAwOD//wAAAAAmAAAAZAAAABYAAABMAAAAAAAAAAAAAAAEAAAAAAAAAAEAAADu7OEKAAAAACgAAAAoAAAAZAAAAGQAAAAAAAAAzMzMAAAAAABQAAAAUAAAAGQAAABkAAAAAAAAABcAAAAUAAAAAAAAAAAAAAD/fwAA/38AAAAAAAAJAAAABAAAAAAAAAAeAAAAaAAAAAAAAAAAAAAAAAAAAAAAAAAAAAAAECcAABAnAAAAAAAAAAAAAAAAAAAAAAAAAAAAAAAAAAAAAAAAAAAAABQAAAAAAAAAwMD/AAAAAABkAAAAMgAAAAAAAABkAAAAAAAAAH9/fwAKAAAAIgAAABgAAAAAAAAAAAAAAAAAAAAAAAAAAAAAAAAAAAAkAAAAJAAAAAAAAAAHAAAAAAAAAAAAAAAAAAAAAAAAAAAAAAAAAAAAf39/ACUAAABYAAAAAAAAAAAAAAAAAAAAAAAAAAAAAAAAAAAAAAAAAAAAAAAAAAAAAAAAAAAAAAA/AAAAAAAAAKCGAQAAAAAAAAAAAAAAAAAMAAAAAQAAAAAAAAAAAAAAAAAAAB8AAABUAAAA////Af///wEAAAAAAAAAAAAAAAAAAAAAAAAAAAAAAAAAAAAAAAAAAAAAAAB/f38A7uzhA8zMzADAwP8Af39/AAAAAAAAAAAAAAAAAAAAAAAAAAAAIQAAABgAAAAUAAAATCIAAIcMAACkKQAAXw8AABAgAAAmAAAACAAAAP//////////"/>
-              </a:ext>
-            </a:extLst>
-          </p:cNvSpPr>
-          <p:nvPr/>
-        </p:nvSpPr>
-        <p:spPr>
-          <a:xfrm>
-            <a:off x="5575300" y="2036445"/>
-            <a:ext cx="1193800" cy="462280"/>
-          </a:xfrm>
-          <a:prstGeom prst="rect">
-            <a:avLst/>
-          </a:prstGeom>
-          <a:solidFill>
-            <a:schemeClr val="bg1"/>
-          </a:solidFill>
-          <a:ln>
-            <a:noFill/>
-          </a:ln>
-          <a:effectLst/>
-        </p:spPr>
-        <p:txBody>
-          <a:bodyPr vert="horz" wrap="square" lIns="91440" tIns="45720" rIns="91440" bIns="45720" numCol="1" spcCol="215900" anchor="t"/>
-          <a:lstStyle/>
-          <a:p>
-            <a:pPr>
-              <a:defRPr lang="fr-fr"/>
-            </a:pPr>
-            <a:r>
-              <a:rPr lang="fr-fr" sz="2400" cap="none"/>
-              <a:t>Infected</a:t>
-            </a:r>
-            <a:endParaRPr lang="fr-fr" sz="2400" cap="none"/>
-          </a:p>
-        </p:txBody>
-      </p:sp>
-      <p:sp>
-        <p:nvSpPr>
-          <p:cNvPr id="7" name="ZoneTexte 6"/>
-          <p:cNvSpPr>
-            <a:extLst>
-              <a:ext uri="smNativeData">
-                <pr:smNativeData xmlns:pr="smNativeData" xmlns="smNativeData" val="SMDATA_15_iunWYhMAAAAlAAAAZAAAAE0AAAAAkAAAAEgAAACQAAAASAAAAAAAAAAAAAAAAAAAAAEAAABQAAAAAAAAAAAA4D8AAAAAAADgPwAAAAAAAOA/AAAAAAAA4D8AAAAAAADgPwAAAAAAAOA/AAAAAAAA4D8AAAAAAADgPwAAAAAAAOA/AAAAAAAA4D8CAAAAjAAAAAEAAAAAAAAA////CP///wgAAAAAAAAAAAAAAAAAAAAAAAAAAAAAAAAAAAAAeAAAAAEAAABAAAAAAAAAAAAAAABaAAAAAAAAAAAAAAAAAAAAAAAAAAAAAAAAAAAAAAAAAAAAAAAAAAAAAAAAAAAAAAAAAAAAAAAAAAAAAAAAAAAAAAAAAAAAAAAAAAAAFAAAADwAAAAAAAAAAAAAAAAAAAAPAAAAAQAAACMAAAAjAAAAIwAAAB4AAAAAAAAAZAAAAGQAAAAAAAAAZAAAAGQAAAAVAAAAYAAAAAAAAAAAAAAADwAAACADAAAAAAAAAAAAAAEAAACgMgAAVgcAAKr4//8BAAAAf39/AAEAAABkAAAAAAAAABQAAABAHwAAAAAAACYAAAAAAAAAwOD//wAAAAAmAAAAZAAAABYAAABMAAAAAAAAAAAAAAAEAAAAAAAAAAEAAADu7OEKAAAAACgAAAAoAAAAZAAAAGQAAAAAAAAAzMzMAAAAAABQAAAAUAAAAGQAAABkAAAAAAAAABcAAAAUAAAAAAAAAAAAAAD/fwAA/38AAAAAAAAJAAAABAAAAAAAAAAeAAAAaAAAAAAAAAAAAAAAAAAAAAAAAAAAAAAAECcAABAnAAAAAAAAAAAAAAAAAAAAAAAAAAAAAAAAAAAAAAAAAAAAABQAAAAAAAAAwMD/AAAAAABkAAAAMgAAAAAAAABkAAAAAAAAAH9/fwAKAAAAIgAAABgAAAAAAAAAAAAAAAAAAAAAAAAAAAAAAAAAAAAkAAAAJAAAAAAAAAAHAAAAAAAAAAAAAAAAAAAAAAAAAAAAAAAAAAAAf39/ACUAAABYAAAAAAAAAAAAAAAAAAAAAAAAAAAAAAAAAAAAAAAAAAAAAAAAAAAAAAAAAAAAAAA/AAAAAAAAAKCGAQAAAAAAAAAAAAAAAAAMAAAAAQAAAAAAAAAAAAAAAAAAAB8AAABUAAAA////Af///wEAAAAAAAAAAAAAAAAAAAAAAAAAAAAAAAAAAAAAAAAAAAAAAAB/f38A7uzhA8zMzADAwP8Af39/AAAAAAAAAAAAAAAAAAAAAAAAAAAAIQAAABgAAAAUAAAANCsAAIcMAAC0NwAAXw8AABAgAAAmAAAACAAAAP//////////"/>
-              </a:ext>
-            </a:extLst>
-          </p:cNvSpPr>
-          <p:nvPr/>
-        </p:nvSpPr>
-        <p:spPr>
-          <a:xfrm>
-            <a:off x="7023100" y="2036445"/>
-            <a:ext cx="2032000" cy="462280"/>
-          </a:xfrm>
-          <a:prstGeom prst="rect">
-            <a:avLst/>
-          </a:prstGeom>
-          <a:solidFill>
-            <a:schemeClr val="bg1"/>
-          </a:solidFill>
-          <a:ln>
-            <a:noFill/>
-          </a:ln>
-          <a:effectLst/>
-        </p:spPr>
-        <p:txBody>
-          <a:bodyPr vert="horz" wrap="square" lIns="91440" tIns="45720" rIns="91440" bIns="45720" numCol="1" spcCol="215900" anchor="t"/>
-          <a:lstStyle/>
-          <a:p>
-            <a:pPr>
-              <a:defRPr lang="fr-fr"/>
-            </a:pPr>
-            <a:r>
-              <a:rPr lang="fr-fr" sz="2400" cap="none"/>
-              <a:t>Total number</a:t>
-            </a:r>
-            <a:endParaRPr lang="fr-fr" sz="2400" cap="none"/>
-          </a:p>
-        </p:txBody>
-      </p:sp>
-      <p:sp>
-        <p:nvSpPr>
-          <p:cNvPr id="8" name="ZoneTexte 7"/>
-          <p:cNvSpPr>
-            <a:extLst>
-              <a:ext uri="smNativeData">
-                <pr:smNativeData xmlns:pr="smNativeData" xmlns="smNativeData" val="SMDATA_15_iunWYhMAAAAlAAAAZAAAAE0AAAAAkAAAAEgAAACQAAAASAAAAAAAAAAAAAAAAAAAAAEAAABQAAAAAAAAAAAA4D8AAAAAAADgPwAAAAAAAOA/AAAAAAAA4D8AAAAAAADgPwAAAAAAAOA/AAAAAAAA4D8AAAAAAADgPwAAAAAAAOA/AAAAAAAA4D8CAAAAjAAAAAEAAAAAAAAA////CP///wgAAAAAAAAAAAAAAAAAAAAAAAAAAAAAAAAAAAAAeAAAAAEAAABAAAAAAAAAAAAAAABaAAAAAAAAAAAAAAAAAAAAAAAAAAAAAAAAAAAAAAAAAAAAAAAAAAAAAAAAAAAAAAAAAAAAAAAAAAAAAAAAAAAAAAAAAAAAAAAAAAAAFAAAADwAAAAAAAAAAAAAAAAAAAAPAAAAAQAAACMAAAAjAAAAIwAAAB4AAAAAAAAAZAAAAGQAAAAAAAAAZAAAAGQAAAAVAAAAYAAAAAAAAAAAAAAADwAAACADAAAAAAAAAAAAAAEAAACgMgAAVgcAAKr4//8BAAAAf39/AAEAAABkAAAAAAAAABQAAABAHwAAAAAAACYAAAAAAAAAwOD//wAAAAAmAAAAZAAAABYAAABMAAAAAAAAAAAAAAAEAAAAAAAAAAEAAADu7OEKAAAAACgAAAAoAAAAZAAAAGQAAAAAAAAAzMzMAAAAAABQAAAAUAAAAGQAAABkAAAAAAAAABcAAAAUAAAAAAAAAAAAAAD/fwAA/38AAAAAAAAJAAAABAAAAAm1/6geAAAAaAAAAAAAAAAAAAAAAAAAAAAAAAAAAAAAECcAABAnAAAAAAAAAAAAAAAAAAAAAAAAAAAAAAAAAAAAAAAAAAAAABQAAAAAAAAAwMD/AAAAAABkAAAAMgAAAAAAAABkAAAAAAAAAH9/fwAKAAAAIgAAABgAAAAAAAAAAAAAAAAAAAAAAAAAAAAAAAAAAAAkAAAAJAAAAAAAAAAHAAAAAAAAAAAAAAAAAAAAAAAAAAAAAAAAAAAAf39/ACUAAABYAAAAAAAAAAAAAAAAAAAAAAAAAAAAAAAAAAAAAAAAAAAAAAAAAAAAAAAAAAAAAAA/AAAAAAAAAKCGAQAAAAAAAAAAAAAAAAAMAAAAAQAAAAAAAAAAAAAAAAAAAB8AAABUAAAA////Af///wEAAAAAAAAAAAAAAAAAAAAAAAAAAAAAAAAAAAAAAAAAAAAAAAB/f38A7uzhA8zMzADAwP8Af39/AAAAAAAAAAAAAAAAAAAAAAAAAAAAIQAAABgAAAAUAAAA4AEAAFkYAACQGgAA8hsAABAgAAAmAAAACAAAAP//////////"/>
-              </a:ext>
-            </a:extLst>
-          </p:cNvSpPr>
-          <p:nvPr/>
-        </p:nvSpPr>
-        <p:spPr>
-          <a:xfrm>
-            <a:off x="304800" y="3957955"/>
-            <a:ext cx="4013200" cy="584835"/>
-          </a:xfrm>
-          <a:prstGeom prst="rect">
-            <a:avLst/>
-          </a:prstGeom>
-          <a:solidFill>
-            <a:schemeClr val="bg1"/>
-          </a:solidFill>
-          <a:ln>
-            <a:noFill/>
-          </a:ln>
-          <a:effectLst/>
-        </p:spPr>
-        <p:txBody>
-          <a:bodyPr vert="horz" wrap="square" lIns="91440" tIns="45720" rIns="91440" bIns="45720" numCol="1" spcCol="215900" anchor="t"/>
-          <a:lstStyle/>
-          <a:p>
-            <a:pPr>
-              <a:defRPr lang="fr-fr"/>
-            </a:pPr>
-            <a:r>
-              <a:rPr lang="fr-fr" sz="2400" cap="none"/>
-              <a:t>Infected ~ </a:t>
-            </a:r>
-            <a:r>
-              <a:rPr lang="fr-fr" sz="3200" cap="none">
-                <a:latin typeface="Baoli SC Regular" pitchFamily="0" charset="0"/>
+              <a:t>create a folder for the analysis</a:t>
+            </a:r>
+          </a:p>
+          <a:p>
+            <a:pPr>
+              <a:defRPr lang="fr-fr"/>
+            </a:pPr>
+            <a:r>
+              <a:t>put data in a folder « </a:t>
+            </a:r>
+            <a:r>
+              <a:rPr lang="fr-fr" cap="none">
+                <a:latin typeface="Courier 10 Pitch" pitchFamily="1" charset="0"/>
+                <a:ea typeface="Courier 10 Pitch" pitchFamily="1" charset="0"/>
+                <a:cs typeface="Courier 10 Pitch" pitchFamily="1" charset="0"/>
+              </a:rPr>
+              <a:t>data</a:t>
+            </a:r>
+            <a:r>
+              <a:t> »</a:t>
+            </a:r>
+          </a:p>
+          <a:p>
+            <a:pPr>
+              <a:defRPr lang="fr-fr"/>
+            </a:pPr>
+            <a:r>
+              <a:t>put the scripts in a folder « </a:t>
+            </a:r>
+            <a:r>
+              <a:rPr lang="fr-fr" cap="none">
+                <a:latin typeface="Courier 10 Pitch" pitchFamily="1" charset="0"/>
+                <a:ea typeface="Courier 10 Pitch" pitchFamily="1" charset="0"/>
+                <a:cs typeface="Courier 10 Pitch" pitchFamily="1" charset="0"/>
+              </a:rPr>
+              <a:t>scripts</a:t>
+            </a:r>
+            <a:r>
+              <a:t> »</a:t>
+            </a:r>
+          </a:p>
+          <a:p>
+            <a:pPr>
+              <a:defRPr lang="fr-fr"/>
+            </a:pPr>
+            <a:r>
+              <a:t>store the output files in « </a:t>
+            </a:r>
+            <a:r>
+              <a:rPr lang="fr-fr" cap="none">
+                <a:latin typeface="Courier 10 Pitch" pitchFamily="1" charset="0"/>
+                <a:ea typeface="Courier 10 Pitch" pitchFamily="1" charset="0"/>
+                <a:cs typeface="Courier 10 Pitch" pitchFamily="1" charset="0"/>
+              </a:rPr>
+              <a:t>analyses</a:t>
+            </a:r>
+            <a:r>
+              <a:t> » or « </a:t>
+            </a:r>
+            <a:r>
+              <a:rPr lang="fr-fr" cap="none">
+                <a:latin typeface="Courier 10 Pitch" pitchFamily="1" charset="0"/>
+                <a:ea typeface="Courier 10 Pitch" pitchFamily="1" charset="0"/>
+                <a:cs typeface="Courier 10 Pitch" pitchFamily="1" charset="0"/>
+              </a:rPr>
+              <a:t>output</a:t>
+            </a:r>
+            <a:r>
+              <a:t> »</a:t>
+            </a:r>
+          </a:p>
+          <a:p>
+            <a:pPr>
+              <a:defRPr lang="fr-fr"/>
+            </a:pPr>
+            <a:r>
+              <a:t>to run an analysis from the terminal: </a:t>
+            </a:r>
+          </a:p>
+          <a:p>
+            <a:pPr marL="0" indent="0">
+              <a:buNone/>
+              <a:defRPr lang="fr-fr" cap="none">
+                <a:latin typeface="Courier 10 Pitch" pitchFamily="1" charset="0"/>
+                <a:ea typeface="Courier 10 Pitch" pitchFamily="1" charset="0"/>
+                <a:cs typeface="Courier 10 Pitch" pitchFamily="1" charset="0"/>
+              </a:defRPr>
+            </a:pPr>
+            <a:r>
+              <a:t>		rb scripts/myscript.rev</a:t>
+            </a:r>
+          </a:p>
+          <a:p>
+            <a:pPr>
+              <a:buFont typeface="Wingdings" pitchFamily="2" charset="2"/>
+              <a:buChar char=""/>
+              <a:defRPr lang="fr-fr" cap="none">
+                <a:latin typeface="Calibri" pitchFamily="2" charset="0"/>
                 <a:ea typeface="Calibri" pitchFamily="2" charset="0"/>
-                <a:cs typeface="Baoli SC Regular" pitchFamily="0" charset="0"/>
-              </a:rPr>
-              <a:t>B</a:t>
-            </a:r>
-            <a:r>
-              <a:rPr lang="fr-fr" sz="2400" cap="none"/>
-              <a:t>(Total number, i) </a:t>
-            </a:r>
-            <a:endParaRPr lang="fr-fr" sz="2400" cap="none"/>
+                <a:cs typeface="Calibri" pitchFamily="2" charset="0"/>
+              </a:defRPr>
+            </a:pPr>
+            <a:r>
+              <a:t>or, from within rb :</a:t>
+            </a:r>
+          </a:p>
+          <a:p>
+            <a:pPr marL="0" indent="0">
+              <a:buNone/>
+              <a:defRPr lang="fr-fr" cap="none">
+                <a:latin typeface="Courier 10 Pitch" pitchFamily="1" charset="0"/>
+                <a:ea typeface="Courier 10 Pitch" pitchFamily="1" charset="0"/>
+                <a:cs typeface="Courier 10 Pitch" pitchFamily="1" charset="0"/>
+              </a:defRPr>
+            </a:pPr>
+            <a:r>
+              <a:t>	source("scripts/myscript.rev")</a:t>
+            </a:r>
+          </a:p>
+          <a:p>
+            <a:pPr>
+              <a:defRPr lang="fr-fr"/>
+            </a:pPr>
           </a:p>
         </p:txBody>
       </p:sp>
@@ -12037,7 +11894,328 @@
             <a:spLocks noGrp="1" noChangeArrowheads="1"/>
             <a:extLst>
               <a:ext uri="smNativeData">
-                <pr:smNativeData xmlns:pr="smNativeData" xmlns="smNativeData" val="SMDATA_15_iunWYhMAAAAlAAAAZAAAAA0AAAAAkAAAAEgAAACQAAAASAAAAAAAAAABAAAAAAAAAAEAAABQAAAAAAAAAAAA4D8AAAAAAADgPwAAAAAAAOA/AAAAAAAA4D8AAAAAAADgPwAAAAAAAOA/AAAAAAAA4D8AAAAAAADgPwAAAAAAAOA/AAAAAAAA4D8CAAAAjAAAAAAAAAAAAAAAT4G9DP///wgAAAAAAAAAAAAAAAAAAAAAAAAAAAAAAAAAAAAAZAAAAAEAAABAAAAAAAAAAAAAAAAAAAAAAAAAAAAAAAAAAAAAAAAAAAAAAAAAAAAAAAAAAAAAAAAAAAAAAAAAAAAAAAAAAAAAAAAAAAAAAAAAAAAAAAAAAAAAAAAAAAAAFAAAADwAAAAAAAAAAAAAAAAAAAkUAAAAAQAAABQAAAAUAAAAFAAAAAEAAAAAAAAAZAAAAGQAAAAAAAAAZAAAAGQAAAAVAAAAYAAAAAAAAAAAAAAADwAAACADAAAAAAAAAAAAAAEAAACgMgAAVgcAAKr4//8BAAAAf39/AAEAAABkAAAAAAAAABQAAABAHwAAAAAAACYAAAAAAAAAwOD//wAAAAAmAAAAZAAAABYAAABMAAAAAAAAAAAAAAAEAAAAAAAAAAEAAADu7OEKAAAAACgAAAAoAAAAZAAAAGQAAAAAAAAAzMzMAAAAAABQAAAAUAAAAGQAAABkAAAAAAAAABcAAAAUAAAAAAAAAAAAAAD/fwAA/38AAAAAAAAJAAAABAAAAAAAAAAeAAAAaAAAAAAAAAAAAAAAAAAAAAAAAAAAAAAAECcAABAnAAAAAAAAAAAAAAAAAAAAAAAAAAAAAAAAAAAAAAAAAAAAABQAAAAAAAAAwMD/AAAAAABkAAAAMgAAAAAAAABkAAAAAAAAAH9/fwAKAAAAIgAAABgAAAAAAAAAAAAAAAAAAAAAAAAAAAAAAAAAAAAkAAAAJAAAAAAAAAAHAAAAAAAAAAAAAAAAAAAAAAAAAAAAAAAAAAAAf39/ACUAAABYAAAAAAAAAAAAAAAAAAAAAAAAAAAAAAAAAAAAAAAAAAAAAAAAAAAAAAAAAAAAAAA/AAAAAAAAAKCGAQAAAAAAAAAAAAAAAAAMAAAAAQAAAAAAAAAAAAAAAAAAAB8AAABUAAAAT4G9Bf///wEAAAAAAAAAAAAAAAAAAAAAAAAAAAAAAAAAAAAAAAAAAAAAAAJ/f38A7uzhA8zMzADAwP8Af39/AAAAAAAAAAAAAAAAAAAAAAAAAAAAIQAAABgAAAAUAAAAAAAAAC3+//9AOAAANQUAABAAAAAmAAAACAAAAAEgAAAAAAAA"/>
+                <pr:smNativeData xmlns:pr="smNativeData" xmlns="smNativeData" val="SMDATA_15_0rbXYhMAAAAlAAAAZAAAAA0AAAAAkAAAAEgAAACQAAAASAAAAAAAAAABAAAAAAAAAAEAAABQAAAAAAAAAAAA4D8AAAAAAADgPwAAAAAAAOA/AAAAAAAA4D8AAAAAAADgPwAAAAAAAOA/AAAAAAAA4D8AAAAAAADgPwAAAAAAAOA/AAAAAAAA4D8CAAAAjAAAAAAAAAAAAAAAT4G9DP///wgAAAAAAAAAAAAAAAAAAAAAAAAAAAAAAAAAAAAAZAAAAAEAAABAAAAAAAAAAAAAAAAAAAAAAAAAAAAAAAAAAAAAAAAAAAAAAAAAAAAAAAAAAAAAAAAAAAAAAAAAAAAAAAAAAAAAAAAAAAAAAAAAAAAAAAAAAAAAAAAAAAAAFAAAADwAAAAAAAAAAAAAAAAAAAkUAAAAAQAAABQAAAAUAAAAFAAAAAEAAAAAAAAAZAAAAGQAAAAAAAAAZAAAAGQAAAAVAAAAYAAAAAAAAAAAAAAADwAAACADAAAAAAAAAAAAAAEAAACgMgAAVgcAAKr4//8BAAAAf39/AAEAAABkAAAAAAAAABQAAABAHwAAAAAAACYAAAAAAAAAwOD//wAAAAAmAAAAZAAAABYAAABMAAAAAAAAAAAAAAAEAAAAAAAAAAEAAADu7OEKAAAAACgAAAAoAAAAZAAAAGQAAAAAAAAAzMzMAAAAAABQAAAAUAAAAGQAAABkAAAAAAAAABcAAAAUAAAAAAAAAAAAAAD/fwAA/38AAAAAAAAJAAAABAAAAAAAAAEeAAAAaAAAAAAAAAAAAAAAAAAAAAAAAAAAAAAAECcAABAnAAAAAAAAAAAAAAAAAAAAAAAAAAAAAAAAAAAAAAAAAAAAABQAAAAAAAAAwMD/AAAAAABkAAAAMgAAAAAAAABkAAAAAAAAAH9/fwAKAAAAIgAAABgAAAAAAAAAAAAAAAAAAAAAAAAAAAAAAAAAAAAkAAAAJAAAAAAAAAAHAAAAAAAAAAAAAAAAAAAAAAAAAAAAAAAAAAAAf39/ACUAAABYAAAAAAAAAAAAAAAAAAAAAAAAAAAAAAAAAAAAAAAAAAAAAAAAAAAAAAAAAAAAAAA/AAAAAAAAAKCGAQAAAAAAAAAAAAAAAAAMAAAAAQAAAAAAAAAAAAAAAAAAAB8AAABUAAAAT4G9Bf///wEAAAAAAAAAAAAAAAAAAAAAAAAAAAAAAAAAAAAAAAAAAAAAAAJ/f38A7uzhA8zMzADAwP8Af39/AAAAAAAAAAAAAAAAAAAAAAAAAAAAIQAAABgAAAAUAAAA0AIAALEBAABwNQAAuQgAABAAAAAmAAAACAAAAAAgAAAAAAAA"/>
+              </a:ext>
+            </a:extLst>
+          </p:cNvSpPr>
+          <p:nvPr>
+            <p:ph type="title"/>
+          </p:nvPr>
+        </p:nvSpPr>
+        <p:spPr/>
+        <p:txBody>
+          <a:bodyPr vert="horz" wrap="square" lIns="91440" tIns="45720" rIns="91440" bIns="45720" numCol="1" spcCol="215900" anchor="ctr">
+            <a:prstTxWarp prst="textNoShape">
+              <a:avLst/>
+            </a:prstTxWarp>
+          </a:bodyPr>
+          <a:lstStyle/>
+          <a:p>
+            <a:pPr>
+              <a:spcBef>
+                <a:spcPts val="0"/>
+              </a:spcBef>
+              <a:defRPr lang="fr-fr" sz="3960" cap="none"/>
+            </a:pPr>
+            <a:r>
+              <a:t>Example: toxoplasmosis in boars (from Guillaume Kon Kam King)</a:t>
+            </a:r>
+          </a:p>
+        </p:txBody>
+      </p:sp>
+      <p:sp>
+        <p:nvSpPr>
+          <p:cNvPr id="3" name="Espace réservé du contenu 2"/>
+          <p:cNvSpPr>
+            <a:spLocks noGrp="1" noChangeArrowheads="1"/>
+            <a:extLst>
+              <a:ext uri="smNativeData">
+                <pr:smNativeData xmlns:pr="smNativeData" xmlns="smNativeData" val="SMDATA_15_0rbXYhMAAAAlAAAAZAAAAA0AAAAAkAAAAEgAAACQAAAASAAAAAAAAAAAAAAAAAAAAAEAAABQAAAAAAAAAAAA4D8AAAAAAADgPwAAAAAAAOA/AAAAAAAA4D8AAAAAAADgPwAAAAAAAOA/AAAAAAAA4D8AAAAAAADgPwAAAAAAAOA/AAAAAAAA4D8CAAAAjAAAAAAAAAAAAAAAT4G9DP///wgAAAAAAAAAAAAAAAAAAAAAAAAAAAAAAAAAAAAAZAAAAAEAAABAAAAAAAAAAAAAAAAAAAAAAAAAAAAAAAAAAAAAAAAAAAAAAAAAAAAAAAAAAAAAAAAAAAAAAAAAAAAAAAAAAAAAAAAAAAAAAAAAAAAAAAAAAAAAAAAAAAAAFAAAADwAAAAAAAAAAAAAAAAAAAkUAAAAAQAAABQAAAAUAAAAFAAAAAEAAAAAAAAAZAAAAGQAAAAAAAAAZAAAAGQAAAAVAAAAYAAAAAAAAAAAAAAADwAAACADAAAAAAAAAAAAAAEAAACgMgAAVgcAAKr4//8BAAAAf39/AAEAAABkAAAAAAAAABQAAABAHwAAAAAAACYAAAAAAAAAwOD//wAAAAAmAAAAZAAAABYAAABMAAAAAAAAAAAAAAAEAAAAAAAAAAEAAADu7OEKAAAAACgAAAAoAAAAZAAAAGQAAAAAAAAAzMzMAAAAAABQAAAAUAAAAGQAAABkAAAAAAAAABcAAAAUAAAAAAAAAAAAAAD/fwAA/38AAAAAAAAJAAAABAAAAO7g5f8eAAAAaAAAAAAAAAAAAAAAAAAAAAAAAAAAAAAAECcAABAnAAAAAAAAAAAAAAAAAAAAAAAAAAAAAAAAAAAAAAAAAAAAABQAAAAAAAAAwMD/AAAAAABkAAAAMgAAAAAAAABkAAAAAAAAAH9/fwAKAAAAIgAAABgAAAAAAAAAAAAAAAAAAAAAAAAAAAAAAAAAAAAkAAAAJAAAAAAAAAAHAAAAAAAAAAAAAAAAAAAAAAAAAAAAAAAAAAAAf39/ACUAAABYAAAAAAAAAAAAAAAAAAAAAAAAAAAAAAAAAAAAAAAAAAAAAAAAAAAAAAAAAAAAAAA/AAAAAAAAAKCGAQAAAAAAAAAAAAAAAAAMAAAAAQAAAAAAAAAAAAAAAAAAAB8AAABUAAAAT4G9Bf///wEAAAAAAAAAAAAAAAAAAAAAAAAAAAAAAAAAAAAAAAAAAAAAAAJ/f38A7uzhA8zMzADAwP8Af39/AAAAAAAAAAAAAAAAAAAAAAAAAAAAIQAAABgAAAAUAAAA0AIAALkIAABwNQAAkCQAABAAAAAmAAAACAAAAAEAAAAAAAAA"/>
+              </a:ext>
+            </a:extLst>
+          </p:cNvSpPr>
+          <p:nvPr>
+            <p:ph type="body" idx="1"/>
+          </p:nvPr>
+        </p:nvSpPr>
+        <p:spPr>
+          <a:xfrm>
+            <a:off x="457200" y="1417955"/>
+            <a:ext cx="8229600" cy="4525645"/>
+          </a:xfrm>
+        </p:spPr>
+        <p:txBody>
+          <a:bodyPr/>
+          <a:lstStyle/>
+          <a:p>
+            <a:pPr>
+              <a:defRPr lang="fr-fr"/>
+            </a:pPr>
+            <a:r>
+              <a:t>We model toxoplasmosis in boars as follows:</a:t>
+            </a:r>
+          </a:p>
+        </p:txBody>
+      </p:sp>
+      <p:pic>
+        <p:nvPicPr>
+          <p:cNvPr id="4" name="Image 3"/>
+          <p:cNvPicPr>
+            <a:picLocks noChangeAspect="1"/>
+            <a:extLst>
+              <a:ext uri="smNativeData">
+                <pr:smNativeData xmlns:pr="smNativeData" xmlns="smNativeData" val="SMDATA_17_0rbXYhMAAAAlAAAAEQAAAC0AAAAAkAAAAEgAAACQAAAASAAAAAAAAAAAAAAAAAAAAAEAAABQAAAAAAAAAAAA4D8AAAAAAADgPwAAAAAAAOA/AAAAAAAA4D8AAAAAAADgPwAAAAAAAOA/AAAAAAAA4D8AAAAAAADgPwAAAAAAAOA/AAAAAAAA4D8CAAAAjAAAAAAAAAAAAAAAT4G9DP///wgAAAAAAAAAAAAAAAAAAAAAAAAAAAAAAAAAAAAAZAAAAAEAAABAAAAAAAAAAAAAAAAAAAAAAAAAAAAAAAAAAAAAAAAAAAAAAAAAAAAAAAAAAAAAAAAAAAAAAAAAAAAAAAAAAAAAAAAAAAAAAAAAAAAAAAAAAAAAAAAAAAAAFAAAADwAAAAAAAAAAAAAAAAAAAkUAAAAAQAAABQAAAAUAAAAFAAAAAEAAAAAAAAAZAAAAGQAAAAAAAAAZAAAAGQAAAAVAAAAYAAAAAAAAAAAAAAADwAAACADAAAAAAAAAAAAAAEAAACgMgAAVgcAAKr4//8BAAAAf39/AAEAAABkAAAAAAAAABQAAABAHwAAAAAAACYAAAAAAAAAwOD//wAAAAAmAAAAZAAAABYAAABMAAAAAAAAAAAAAAAEAAAAAAAAAAEAAADu7OEKAAAAACgAAAAoAAAAZAAAAGQAAAAAAAAAzMzMAAAAAABQAAAAUAAAAGQAAABkAAAAAAAAAAcAAAA4AAAAAAAAAAAAAAAAAAAA////AAAAAAAAAAAAAAAAALoFAAAAAAAAAAAAAAAAAABkAAAAZAAAAAAAAAAjAAAABAAAAGQAAAAXAAAAFAAAAAAAAAAAAAAA/38AAP9/AAAAAAAACQAAAAQAAAAAAAAAHgAAAGgAAAAAAAAAAAAAAAAAAAAAAAAAAAAAABAnAAAQJwAAAAAAAAAAAAAAAAAAAAAAAAAAAAAAAAAAAAAAAAAAAAAUAAAAAAAAAMDA/wAAAAAAZAAAADIAAAAAAAAAZAAAAAAAAAB/f38ACgAAACIAAAAYAAAAAAAAAAAAAAAAAAAAAAAAAAAAAAAAAAAAJAAAACQAAAAAAAAABwAAAAAAAAAAAAAAAAAAAAAAAAAAAAAAAAAAAH9/fwAlAAAAWAAAAAAAAAAAAAAAAAAAAAAAAAAAAAAAAAAAAAAAAAAAAAAAAAAAAAAAAAAAAAAAPwAAAAAAAACghgEAAAAAAAAAAAAAAAAADAAAAAEAAAAAAAAAAAAAAAAAAAAfAAAAVAAAAE+BvQX///8BAAAAAAAAAAAAAAAAAAAAAAAAAAAAAAAAAAAAAAAAAAAAAAACf39/AO7s4QPMzMwAwMD/AH9/fwAAAAAAAAAAAAAAAAD///8AAAAAACEAAAAYAAAAFAAAAEz////rDAAASDgAADAqAAAQAAAAJgAAAAgAAAD//////////w=="/>
+              </a:ext>
+            </a:extLst>
+          </p:cNvPicPr>
+          <p:nvPr/>
+        </p:nvPicPr>
+        <p:blipFill>
+          <a:blip r:embed="rId2"/>
+          <a:srcRect l="0" t="14660" r="0" b="0"/>
+          <a:stretch>
+            <a:fillRect/>
+          </a:stretch>
+        </p:blipFill>
+        <p:spPr>
+          <a:xfrm>
+            <a:off x="-114300" y="2099945"/>
+            <a:ext cx="9263380" cy="4758055"/>
+          </a:xfrm>
+          <a:prstGeom prst="rect">
+            <a:avLst/>
+          </a:prstGeom>
+          <a:noFill/>
+          <a:ln>
+            <a:noFill/>
+          </a:ln>
+          <a:effectLst/>
+        </p:spPr>
+      </p:pic>
+      <p:sp>
+        <p:nvSpPr>
+          <p:cNvPr id="5" name="ZoneTexte 4"/>
+          <p:cNvSpPr>
+            <a:extLst>
+              <a:ext uri="smNativeData">
+                <pr:smNativeData xmlns:pr="smNativeData" xmlns="smNativeData" val="SMDATA_15_0rbXYhMAAAAlAAAAZAAAAE0AAAAAkAAAAEgAAACQAAAASAAAAAAAAAAAAAAAAAAAAAEAAABQAAAAAAAAAAAA4D8AAAAAAADgPwAAAAAAAOA/AAAAAAAA4D8AAAAAAADgPwAAAAAAAOA/AAAAAAAA4D8AAAAAAADgPwAAAAAAAOA/AAAAAAAA4D8CAAAAjAAAAAEAAAAAAAAA////CP///wgAAAAAAAAAAAAAAAAAAAAAAAAAAAAAAAAAAAAAeAAAAAEAAABAAAAAAAAAAAAAAABaAAAAAAAAAAAAAAAAAAAAAAAAAAAAAAAAAAAAAAAAAAAAAAAAAAAAAAAAAAAAAAAAAAAAAAAAAAAAAAAAAAAAAAAAAAAAAAAAAAAAFAAAADwAAAAAAAAAAAAAAAAAAAAPAAAAAQAAACMAAAAjAAAAIwAAAB4AAAAAAAAAZAAAAGQAAAAAAAAAZAAAAGQAAAAVAAAAYAAAAAAAAAAAAAAADwAAACADAAAAAAAAAAAAAAEAAACgMgAAVgcAAKr4//8BAAAAf39/AAEAAABkAAAAAAAAABQAAABAHwAAAAAAACYAAAAAAAAAwOD//wAAAAAmAAAAZAAAABYAAABMAAAAAAAAAAAAAAAEAAAAAAAAAAEAAADu7OEKAAAAACgAAAAoAAAAZAAAAGQAAAAAAAAAzMzMAAAAAABQAAAAUAAAAGQAAABkAAAAAAAAABcAAAAUAAAAAAAAAAAAAAD/fwAA/38AAAAAAAAJAAAABAAAAC1BLXYeAAAAaAAAAAAAAAAAAAAAAAAAAAAAAAAAAAAAECcAABAnAAAAAAAAAAAAAAAAAAAAAAAAAAAAAAAAAAAAAAAAAAAAABQAAAAAAAAAwMD/AAAAAABkAAAAMgAAAAAAAABkAAAAAAAAAH9/fwAKAAAAIgAAABgAAAAAAAAAAAAAAAAAAAAAAAAAAAAAAAAAAAAkAAAAJAAAAAAAAAAHAAAAAAAAAAAAAAAAAAAAAAAAAAAAAAAAAAAAf39/ACUAAABYAAAAAAAAAAAAAAAAAAAAAAAAAAAAAAAAAAAAAAAAAAAAAAAAAAAAAAAAAAAAAAA/AAAAAAAAAKCGAQAAAAAAAAAAAAAAAAAMAAAAAQAAAAAAAAAAAAAAAAAAAB8AAABUAAAA////Af///wEAAAAAAAAAAAAAAAAAAAAAAAAAAAAAAAAAAAAAAAAAAAAAAAB/f38A7uzhA8zMzADAwP8Af39/AAAAAAAAAAAAAAAAAAAAAAAAAAAAIQAAABgAAAAUAAAAcBwAAIcMAABMIgAAXw8AABAgAAAmAAAACAAAAP//////////"/>
+              </a:ext>
+            </a:extLst>
+          </p:cNvSpPr>
+          <p:nvPr/>
+        </p:nvSpPr>
+        <p:spPr>
+          <a:xfrm>
+            <a:off x="4622800" y="2036445"/>
+            <a:ext cx="952500" cy="462280"/>
+          </a:xfrm>
+          <a:prstGeom prst="rect">
+            <a:avLst/>
+          </a:prstGeom>
+          <a:solidFill>
+            <a:schemeClr val="bg1"/>
+          </a:solidFill>
+          <a:ln>
+            <a:noFill/>
+          </a:ln>
+          <a:effectLst/>
+        </p:spPr>
+        <p:txBody>
+          <a:bodyPr vert="horz" wrap="square" lIns="91440" tIns="45720" rIns="91440" bIns="45720" numCol="1" spcCol="215900" anchor="t"/>
+          <a:lstStyle/>
+          <a:p>
+            <a:pPr>
+              <a:defRPr lang="fr-fr"/>
+            </a:pPr>
+            <a:r>
+              <a:rPr lang="fr-fr" sz="2400" cap="none"/>
+              <a:t>Age</a:t>
+            </a:r>
+            <a:endParaRPr lang="fr-fr" sz="2400" cap="none"/>
+          </a:p>
+        </p:txBody>
+      </p:sp>
+      <p:sp>
+        <p:nvSpPr>
+          <p:cNvPr id="6" name="ZoneTexte 5"/>
+          <p:cNvSpPr>
+            <a:extLst>
+              <a:ext uri="smNativeData">
+                <pr:smNativeData xmlns:pr="smNativeData" xmlns="smNativeData" val="SMDATA_15_0rbXYhMAAAAlAAAAZAAAAE0AAAAAkAAAAEgAAACQAAAASAAAAAAAAAAAAAAAAAAAAAEAAABQAAAAAAAAAAAA4D8AAAAAAADgPwAAAAAAAOA/AAAAAAAA4D8AAAAAAADgPwAAAAAAAOA/AAAAAAAA4D8AAAAAAADgPwAAAAAAAOA/AAAAAAAA4D8CAAAAjAAAAAEAAAAAAAAA////CP///wgAAAAAAAAAAAAAAAAAAAAAAAAAAAAAAAAAAAAAeAAAAAEAAABAAAAAAAAAAAAAAABaAAAAAAAAAAAAAAAAAAAAAAAAAAAAAAAAAAAAAAAAAAAAAAAAAAAAAAAAAAAAAAAAAAAAAAAAAAAAAAAAAAAAAAAAAAAAAAAAAAAAFAAAADwAAAAAAAAAAAAAAAAAAAAPAAAAAQAAACMAAAAjAAAAIwAAAB4AAAAAAAAAZAAAAGQAAAAAAAAAZAAAAGQAAAAVAAAAYAAAAAAAAAAAAAAADwAAACADAAAAAAAAAAAAAAEAAACgMgAAVgcAAKr4//8BAAAAf39/AAEAAABkAAAAAAAAABQAAABAHwAAAAAAACYAAAAAAAAAwOD//wAAAAAmAAAAZAAAABYAAABMAAAAAAAAAAAAAAAEAAAAAAAAAAEAAADu7OEKAAAAACgAAAAoAAAAZAAAAGQAAAAAAAAAzMzMAAAAAABQAAAAUAAAAGQAAABkAAAAAAAAABcAAAAUAAAAAAAAAAAAAAD/fwAA/38AAAAAAAAJAAAABAAAAAAAAAAeAAAAaAAAAAAAAAAAAAAAAAAAAAAAAAAAAAAAECcAABAnAAAAAAAAAAAAAAAAAAAAAAAAAAAAAAAAAAAAAAAAAAAAABQAAAAAAAAAwMD/AAAAAABkAAAAMgAAAAAAAABkAAAAAAAAAH9/fwAKAAAAIgAAABgAAAAAAAAAAAAAAAAAAAAAAAAAAAAAAAAAAAAkAAAAJAAAAAAAAAAHAAAAAAAAAAAAAAAAAAAAAAAAAAAAAAAAAAAAf39/ACUAAABYAAAAAAAAAAAAAAAAAAAAAAAAAAAAAAAAAAAAAAAAAAAAAAAAAAAAAAAAAAAAAAA/AAAAAAAAAKCGAQAAAAAAAAAAAAAAAAAMAAAAAQAAAAAAAAAAAAAAAAAAAB8AAABUAAAA////Af///wEAAAAAAAAAAAAAAAAAAAAAAAAAAAAAAAAAAAAAAAAAAAAAAAB/f38A7uzhA8zMzADAwP8Af39/AAAAAAAAAAAAAAAAAAAAAAAAAAAAIQAAABgAAAAUAAAATCIAAIcMAACkKQAAXw8AABAgAAAmAAAACAAAAP//////////"/>
+              </a:ext>
+            </a:extLst>
+          </p:cNvSpPr>
+          <p:nvPr/>
+        </p:nvSpPr>
+        <p:spPr>
+          <a:xfrm>
+            <a:off x="5575300" y="2036445"/>
+            <a:ext cx="1193800" cy="462280"/>
+          </a:xfrm>
+          <a:prstGeom prst="rect">
+            <a:avLst/>
+          </a:prstGeom>
+          <a:solidFill>
+            <a:schemeClr val="bg1"/>
+          </a:solidFill>
+          <a:ln>
+            <a:noFill/>
+          </a:ln>
+          <a:effectLst/>
+        </p:spPr>
+        <p:txBody>
+          <a:bodyPr vert="horz" wrap="square" lIns="91440" tIns="45720" rIns="91440" bIns="45720" numCol="1" spcCol="215900" anchor="t"/>
+          <a:lstStyle/>
+          <a:p>
+            <a:pPr>
+              <a:defRPr lang="fr-fr"/>
+            </a:pPr>
+            <a:r>
+              <a:rPr lang="fr-fr" sz="2400" cap="none"/>
+              <a:t>Infected</a:t>
+            </a:r>
+            <a:endParaRPr lang="fr-fr" sz="2400" cap="none"/>
+          </a:p>
+        </p:txBody>
+      </p:sp>
+      <p:sp>
+        <p:nvSpPr>
+          <p:cNvPr id="7" name="ZoneTexte 6"/>
+          <p:cNvSpPr>
+            <a:extLst>
+              <a:ext uri="smNativeData">
+                <pr:smNativeData xmlns:pr="smNativeData" xmlns="smNativeData" val="SMDATA_15_0rbXYhMAAAAlAAAAZAAAAE0AAAAAkAAAAEgAAACQAAAASAAAAAAAAAAAAAAAAAAAAAEAAABQAAAAAAAAAAAA4D8AAAAAAADgPwAAAAAAAOA/AAAAAAAA4D8AAAAAAADgPwAAAAAAAOA/AAAAAAAA4D8AAAAAAADgPwAAAAAAAOA/AAAAAAAA4D8CAAAAjAAAAAEAAAAAAAAA////CP///wgAAAAAAAAAAAAAAAAAAAAAAAAAAAAAAAAAAAAAeAAAAAEAAABAAAAAAAAAAAAAAABaAAAAAAAAAAAAAAAAAAAAAAAAAAAAAAAAAAAAAAAAAAAAAAAAAAAAAAAAAAAAAAAAAAAAAAAAAAAAAAAAAAAAAAAAAAAAAAAAAAAAFAAAADwAAAAAAAAAAAAAAAAAAAAPAAAAAQAAACMAAAAjAAAAIwAAAB4AAAAAAAAAZAAAAGQAAAAAAAAAZAAAAGQAAAAVAAAAYAAAAAAAAAAAAAAADwAAACADAAAAAAAAAAAAAAEAAACgMgAAVgcAAKr4//8BAAAAf39/AAEAAABkAAAAAAAAABQAAABAHwAAAAAAACYAAAAAAAAAwOD//wAAAAAmAAAAZAAAABYAAABMAAAAAAAAAAAAAAAEAAAAAAAAAAEAAADu7OEKAAAAACgAAAAoAAAAZAAAAGQAAAAAAAAAzMzMAAAAAABQAAAAUAAAAGQAAABkAAAAAAAAABcAAAAUAAAAAAAAAAAAAAD/fwAA/38AAAAAAAAJAAAABAAAAAAAAAAeAAAAaAAAAAAAAAAAAAAAAAAAAAAAAAAAAAAAECcAABAnAAAAAAAAAAAAAAAAAAAAAAAAAAAAAAAAAAAAAAAAAAAAABQAAAAAAAAAwMD/AAAAAABkAAAAMgAAAAAAAABkAAAAAAAAAH9/fwAKAAAAIgAAABgAAAAAAAAAAAAAAAAAAAAAAAAAAAAAAAAAAAAkAAAAJAAAAAAAAAAHAAAAAAAAAAAAAAAAAAAAAAAAAAAAAAAAAAAAf39/ACUAAABYAAAAAAAAAAAAAAAAAAAAAAAAAAAAAAAAAAAAAAAAAAAAAAAAAAAAAAAAAAAAAAA/AAAAAAAAAKCGAQAAAAAAAAAAAAAAAAAMAAAAAQAAAAAAAAAAAAAAAAAAAB8AAABUAAAA////Af///wEAAAAAAAAAAAAAAAAAAAAAAAAAAAAAAAAAAAAAAAAAAAAAAAB/f38A7uzhA8zMzADAwP8Af39/AAAAAAAAAAAAAAAAAAAAAAAAAAAAIQAAABgAAAAUAAAANCsAAIcMAAC0NwAAXw8AABAgAAAmAAAACAAAAP//////////"/>
+              </a:ext>
+            </a:extLst>
+          </p:cNvSpPr>
+          <p:nvPr/>
+        </p:nvSpPr>
+        <p:spPr>
+          <a:xfrm>
+            <a:off x="7023100" y="2036445"/>
+            <a:ext cx="2032000" cy="462280"/>
+          </a:xfrm>
+          <a:prstGeom prst="rect">
+            <a:avLst/>
+          </a:prstGeom>
+          <a:solidFill>
+            <a:schemeClr val="bg1"/>
+          </a:solidFill>
+          <a:ln>
+            <a:noFill/>
+          </a:ln>
+          <a:effectLst/>
+        </p:spPr>
+        <p:txBody>
+          <a:bodyPr vert="horz" wrap="square" lIns="91440" tIns="45720" rIns="91440" bIns="45720" numCol="1" spcCol="215900" anchor="t"/>
+          <a:lstStyle/>
+          <a:p>
+            <a:pPr>
+              <a:defRPr lang="fr-fr"/>
+            </a:pPr>
+            <a:r>
+              <a:rPr lang="fr-fr" sz="2400" cap="none"/>
+              <a:t>Total number</a:t>
+            </a:r>
+            <a:endParaRPr lang="fr-fr" sz="2400" cap="none"/>
+          </a:p>
+        </p:txBody>
+      </p:sp>
+      <p:sp>
+        <p:nvSpPr>
+          <p:cNvPr id="8" name="ZoneTexte 7"/>
+          <p:cNvSpPr>
+            <a:extLst>
+              <a:ext uri="smNativeData">
+                <pr:smNativeData xmlns:pr="smNativeData" xmlns="smNativeData" val="SMDATA_15_0rbXYhMAAAAlAAAAZAAAAE0AAAAAkAAAAEgAAACQAAAASAAAAAAAAAAAAAAAAAAAAAEAAABQAAAAAAAAAAAA4D8AAAAAAADgPwAAAAAAAOA/AAAAAAAA4D8AAAAAAADgPwAAAAAAAOA/AAAAAAAA4D8AAAAAAADgPwAAAAAAAOA/AAAAAAAA4D8CAAAAjAAAAAEAAAAAAAAA////CP///wgAAAAAAAAAAAAAAAAAAAAAAAAAAAAAAAAAAAAAeAAAAAEAAABAAAAAAAAAAAAAAABaAAAAAAAAAAAAAAAAAAAAAAAAAAAAAAAAAAAAAAAAAAAAAAAAAAAAAAAAAAAAAAAAAAAAAAAAAAAAAAAAAAAAAAAAAAAAAAAAAAAAFAAAADwAAAAAAAAAAAAAAAAAAAAPAAAAAQAAACMAAAAjAAAAIwAAAB4AAAAAAAAAZAAAAGQAAAAAAAAAZAAAAGQAAAAVAAAAYAAAAAAAAAAAAAAADwAAACADAAAAAAAAAAAAAAEAAACgMgAAVgcAAKr4//8BAAAAf39/AAEAAABkAAAAAAAAABQAAABAHwAAAAAAACYAAAAAAAAAwOD//wAAAAAmAAAAZAAAABYAAABMAAAAAAAAAAAAAAAEAAAAAAAAAAEAAADu7OEKAAAAACgAAAAoAAAAZAAAAGQAAAAAAAAAzMzMAAAAAABQAAAAUAAAAGQAAABkAAAAAAAAABcAAAAUAAAAAAAAAAAAAAD/fwAA/38AAAAAAAAJAAAABAAAAAm1/6geAAAAaAAAAAAAAAAAAAAAAAAAAAAAAAAAAAAAECcAABAnAAAAAAAAAAAAAAAAAAAAAAAAAAAAAAAAAAAAAAAAAAAAABQAAAAAAAAAwMD/AAAAAABkAAAAMgAAAAAAAABkAAAAAAAAAH9/fwAKAAAAIgAAABgAAAAAAAAAAAAAAAAAAAAAAAAAAAAAAAAAAAAkAAAAJAAAAAAAAAAHAAAAAAAAAAAAAAAAAAAAAAAAAAAAAAAAAAAAf39/ACUAAABYAAAAAAAAAAAAAAAAAAAAAAAAAAAAAAAAAAAAAAAAAAAAAAAAAAAAAAAAAAAAAAA/AAAAAAAAAKCGAQAAAAAAAAAAAAAAAAAMAAAAAQAAAAAAAAAAAAAAAAAAAB8AAABUAAAA////Af///wEAAAAAAAAAAAAAAAAAAAAAAAAAAAAAAAAAAAAAAAAAAAAAAAB/f38A7uzhA8zMzADAwP8Af39/AAAAAAAAAAAAAAAAAAAAAAAAAAAAIQAAABgAAAAUAAAA4AEAAFkYAACQGgAA8hsAABAgAAAmAAAACAAAAP//////////"/>
+              </a:ext>
+            </a:extLst>
+          </p:cNvSpPr>
+          <p:nvPr/>
+        </p:nvSpPr>
+        <p:spPr>
+          <a:xfrm>
+            <a:off x="304800" y="3957955"/>
+            <a:ext cx="4013200" cy="584835"/>
+          </a:xfrm>
+          <a:prstGeom prst="rect">
+            <a:avLst/>
+          </a:prstGeom>
+          <a:solidFill>
+            <a:schemeClr val="bg1"/>
+          </a:solidFill>
+          <a:ln>
+            <a:noFill/>
+          </a:ln>
+          <a:effectLst/>
+        </p:spPr>
+        <p:txBody>
+          <a:bodyPr vert="horz" wrap="square" lIns="91440" tIns="45720" rIns="91440" bIns="45720" numCol="1" spcCol="215900" anchor="t"/>
+          <a:lstStyle/>
+          <a:p>
+            <a:pPr>
+              <a:defRPr lang="fr-fr"/>
+            </a:pPr>
+            <a:r>
+              <a:rPr lang="fr-fr" sz="2400" cap="none"/>
+              <a:t>Infected ~ </a:t>
+            </a:r>
+            <a:r>
+              <a:rPr lang="fr-fr" sz="3200" cap="none">
+                <a:latin typeface="Baoli SC Regular" pitchFamily="0" charset="0"/>
+                <a:ea typeface="Calibri" pitchFamily="2" charset="0"/>
+                <a:cs typeface="Baoli SC Regular" pitchFamily="0" charset="0"/>
+              </a:rPr>
+              <a:t>B</a:t>
+            </a:r>
+            <a:r>
+              <a:rPr lang="fr-fr" sz="2400" cap="none"/>
+              <a:t>(Total number, i) </a:t>
+            </a:r>
+            <a:endParaRPr lang="fr-fr" sz="2400" cap="none"/>
+          </a:p>
+        </p:txBody>
+      </p:sp>
+    </p:spTree>
+  </p:cSld>
+  <p:clrMapOvr>
+    <a:masterClrMapping/>
+  </p:clrMapOvr>
+  <p:timing>
+    <p:tnLst>
+      <p:par>
+        <p:cTn id="1" dur="indefinite" restart="never" nodeType="tmRoot"/>
+      </p:par>
+    </p:tnLst>
+  </p:timing>
+</p:sld>
+</file>
+
+<file path=ppt/slides/slide34.xml><?xml version="1.0" encoding="utf-8"?>
+<p:sld xmlns:p="http://schemas.openxmlformats.org/presentationml/2006/main" xmlns:mc="http://schemas.openxmlformats.org/markup-compatibility/2006" xmlns:p14="http://schemas.microsoft.com/office/powerpoint/2010/main" xmlns:p15="http://schemas.microsoft.com/office/powerpoint/2012/main" xmlns:r="http://schemas.openxmlformats.org/officeDocument/2006/relationships" xmlns:a="http://schemas.openxmlformats.org/drawingml/2006/main" mc:Ignorable="p14" show="0">
+  <p:cSld>
+    <p:spTree>
+      <p:nvGrpSpPr>
+        <p:cNvPr id="1" name=""/>
+        <p:cNvGrpSpPr/>
+        <p:nvPr/>
+      </p:nvGrpSpPr>
+      <p:grpSpPr>
+        <a:xfrm>
+          <a:off x="0" y="0"/>
+          <a:ext cx="0" cy="0"/>
+          <a:chOff x="0" y="0"/>
+          <a:chExt cx="0" cy="0"/>
+        </a:xfrm>
+      </p:grpSpPr>
+      <p:sp>
+        <p:nvSpPr>
+          <p:cNvPr id="2" name="Titre 1"/>
+          <p:cNvSpPr>
+            <a:spLocks noGrp="1" noChangeArrowheads="1"/>
+            <a:extLst>
+              <a:ext uri="smNativeData">
+                <pr:smNativeData xmlns:pr="smNativeData" xmlns="smNativeData" val="SMDATA_15_0rbXYhMAAAAlAAAAZAAAAA0AAAAAkAAAAEgAAACQAAAASAAAAAAAAAABAAAAAAAAAAEAAABQAAAAAAAAAAAA4D8AAAAAAADgPwAAAAAAAOA/AAAAAAAA4D8AAAAAAADgPwAAAAAAAOA/AAAAAAAA4D8AAAAAAADgPwAAAAAAAOA/AAAAAAAA4D8CAAAAjAAAAAAAAAAAAAAAT4G9DP///wgAAAAAAAAAAAAAAAAAAAAAAAAAAAAAAAAAAAAAZAAAAAEAAABAAAAAAAAAAAAAAAAAAAAAAAAAAAAAAAAAAAAAAAAAAAAAAAAAAAAAAAAAAAAAAAAAAAAAAAAAAAAAAAAAAAAAAAAAAAAAAAAAAAAAAAAAAAAAAAAAAAAAFAAAADwAAAAAAAAAAAAAAAAAAAkUAAAAAQAAABQAAAAUAAAAFAAAAAEAAAAAAAAAZAAAAGQAAAAAAAAAZAAAAGQAAAAVAAAAYAAAAAAAAAAAAAAADwAAACADAAAAAAAAAAAAAAEAAACgMgAAVgcAAKr4//8BAAAAf39/AAEAAABkAAAAAAAAABQAAABAHwAAAAAAACYAAAAAAAAAwOD//wAAAAAmAAAAZAAAABYAAABMAAAAAAAAAAAAAAAEAAAAAAAAAAEAAADu7OEKAAAAACgAAAAoAAAAZAAAAGQAAAAAAAAAzMzMAAAAAABQAAAAUAAAAGQAAABkAAAAAAAAABcAAAAUAAAAAAAAAAAAAAD/fwAA/38AAAAAAAAJAAAABAAAAAAAAAAeAAAAaAAAAAAAAAAAAAAAAAAAAAAAAAAAAAAAECcAABAnAAAAAAAAAAAAAAAAAAAAAAAAAAAAAAAAAAAAAAAAAAAAABQAAAAAAAAAwMD/AAAAAABkAAAAMgAAAAAAAABkAAAAAAAAAH9/fwAKAAAAIgAAABgAAAAAAAAAAAAAAAAAAAAAAAAAAAAAAAAAAAAkAAAAJAAAAAAAAAAHAAAAAAAAAAAAAAAAAAAAAAAAAAAAAAAAAAAAf39/ACUAAABYAAAAAAAAAAAAAAAAAAAAAAAAAAAAAAAAAAAAAAAAAAAAAAAAAAAAAAAAAAAAAAA/AAAAAAAAAKCGAQAAAAAAAAAAAAAAAAAMAAAAAQAAAAAAAAAAAAAAAAAAAB8AAABUAAAAT4G9Bf///wEAAAAAAAAAAAAAAAAAAAAAAAAAAAAAAAAAAAAAAAAAAAAAAAJ/f38A7uzhA8zMzADAwP8Af39/AAAAAAAAAAAAAAAAAAAAAAAAAAAAIQAAABgAAAAUAAAAAAAAAC3+//9AOAAANQUAABAAAAAmAAAACAAAAAEgAAAAAAAA"/>
               </a:ext>
             </a:extLst>
           </p:cNvSpPr>
@@ -12078,7 +12256,7 @@
             <a:spLocks noGrp="1" noChangeArrowheads="1"/>
             <a:extLst>
               <a:ext uri="smNativeData">
-                <pr:smNativeData xmlns:pr="smNativeData" xmlns="smNativeData" val="SMDATA_15_iunWYhMAAAAlAAAAZAAAAA0AAAAAkAAAAEgAAACQAAAASAAAAAAAAAAAAAAAAAAAAAEAAABQAAAAAAAAAAAA4D8AAAAAAADgPwAAAAAAAOA/AAAAAAAA4D8AAAAAAADgPwAAAAAAAOA/AAAAAAAA4D8AAAAAAADgPwAAAAAAAOA/AAAAAAAA4D8CAAAAjAAAAAAAAAAAAAAAT4G9DP///wgAAAAAAAAAAAAAAAAAAAAAAAAAAAAAAAAAAAAAZAAAAAEAAABAAAAAAAAAAAAAAAAAAAAAAAAAAAAAAAAAAAAAAAAAAAAAAAAAAAAAAAAAAAAAAAAAAAAAAAAAAAAAAAAAAAAAAAAAAAAAAAAAAAAAAAAAAAAAAAAAAAAAFAAAADwAAAAAAAAAAAAAAAAAAAkUAAAAAQAAABQAAAAUAAAAFAAAAAEAAAAAAAAAZAAAAGQAAAAAAAAAZAAAAGQAAAAVAAAAYAAAAAAAAAAAAAAADwAAACADAAAAAAAAAAAAAAEAAACgMgAAVgcAAKr4//8BAAAAf39/AAEAAABkAAAAAAAAABQAAABAHwAAAAAAACYAAAAAAAAAwOD//wAAAAAmAAAAZAAAABYAAABMAAAAAAAAAAAAAAAEAAAAAAAAAAEAAADu7OEKAAAAACgAAAAoAAAAZAAAAGQAAAAAAAAAzMzMAAAAAABQAAAAUAAAAGQAAABkAAAAAAAAABcAAAAUAAAAAAAAAAAAAAD/fwAA/38AAAAAAAAJAAAABAAAAAZfBl4eAAAAaAAAAAAAAAAAAAAAAAAAAAAAAAAAAAAAECcAABAnAAAAAAAAAAAAAAAAAAAAAAAAAAAAAAAAAAAAAAAAAAAAABQAAAAAAAAAwMD/AAAAAABkAAAAMgAAAAAAAABkAAAAAAAAAH9/fwAKAAAAIgAAABgAAAAAAAAAAAAAAAAAAAAAAAAAAAAAAAAAAAAkAAAAJAAAAAAAAAAHAAAAAAAAAAAAAAAAAAAAAAAAAAAAAAAAAAAAf39/ACUAAABYAAAAAAAAAAAAAAAAAAAAAAAAAAAAAAAAAAAAAAAAAAAAAAAAAAAAAAAAAAAAAAA/AAAAAAAAAKCGAQAAAAAAAAAAAAAAAAAMAAAAAQAAAAAAAAAAAAAAAAAAAB8AAABUAAAAT4G9Bf///wEAAAAAAAAAAAAAAAAAAAAAAAAAAAAAAAAAAAAAAAAAAAAAAAJ/f38A7uzhA8zMzADAwP8Af39/AAAAAAAAAAAAAAAAAAAAAAAAAAAAIQAAABgAAAAUAAAAAAAAADUFAABAOAAApSYAABAAAAAmAAAACAAAAAEgAAAAAAAA"/>
+                <pr:smNativeData xmlns:pr="smNativeData" xmlns="smNativeData" val="SMDATA_15_0rbXYhMAAAAlAAAAZAAAAA0AAAAAkAAAAEgAAACQAAAASAAAAAAAAAAAAAAAAAAAAAEAAABQAAAAAAAAAAAA4D8AAAAAAADgPwAAAAAAAOA/AAAAAAAA4D8AAAAAAADgPwAAAAAAAOA/AAAAAAAA4D8AAAAAAADgPwAAAAAAAOA/AAAAAAAA4D8CAAAAjAAAAAAAAAAAAAAAT4G9DP///wgAAAAAAAAAAAAAAAAAAAAAAAAAAAAAAAAAAAAAZAAAAAEAAABAAAAAAAAAAAAAAAAAAAAAAAAAAAAAAAAAAAAAAAAAAAAAAAAAAAAAAAAAAAAAAAAAAAAAAAAAAAAAAAAAAAAAAAAAAAAAAAAAAAAAAAAAAAAAAAAAAAAAFAAAADwAAAAAAAAAAAAAAAAAAAkUAAAAAQAAABQAAAAUAAAAFAAAAAEAAAAAAAAAZAAAAGQAAAAAAAAAZAAAAGQAAAAVAAAAYAAAAAAAAAAAAAAADwAAACADAAAAAAAAAAAAAAEAAACgMgAAVgcAAKr4//8BAAAAf39/AAEAAABkAAAAAAAAABQAAABAHwAAAAAAACYAAAAAAAAAwOD//wAAAAAmAAAAZAAAABYAAABMAAAAAAAAAAAAAAAEAAAAAAAAAAEAAADu7OEKAAAAACgAAAAoAAAAZAAAAGQAAAAAAAAAzMzMAAAAAABQAAAAUAAAAGQAAABkAAAAAAAAABcAAAAUAAAAAAAAAAAAAAD/fwAA/38AAAAAAAAJAAAABAAAAAZfBl4eAAAAaAAAAAAAAAAAAAAAAAAAAAAAAAAAAAAAECcAABAnAAAAAAAAAAAAAAAAAAAAAAAAAAAAAAAAAAAAAAAAAAAAABQAAAAAAAAAwMD/AAAAAABkAAAAMgAAAAAAAABkAAAAAAAAAH9/fwAKAAAAIgAAABgAAAAAAAAAAAAAAAAAAAAAAAAAAAAAAAAAAAAkAAAAJAAAAAAAAAAHAAAAAAAAAAAAAAAAAAAAAAAAAAAAAAAAAAAAf39/ACUAAABYAAAAAAAAAAAAAAAAAAAAAAAAAAAAAAAAAAAAAAAAAAAAAAAAAAAAAAAAAAAAAAA/AAAAAAAAAKCGAQAAAAAAAAAAAAAAAAAMAAAAAQAAAAAAAAAAAAAAAAAAAB8AAABUAAAAT4G9Bf///wEAAAAAAAAAAAAAAAAAAAAAAAAAAAAAAAAAAAAAAAAAAAAAAAJ/f38A7uzhA8zMzADAwP8Af39/AAAAAAAAAAAAAAAAAAAAAAAAAAAAIQAAABgAAAAUAAAAAAAAADUFAABAOAAApSYAABAAAAAmAAAACAAAAAEgAAAAAAAA"/>
               </a:ext>
             </a:extLst>
           </p:cNvSpPr>
@@ -12380,7 +12558,7 @@
           <p:cNvGrpSpPr>
             <a:extLst>
               <a:ext uri="smNativeData">
-                <pr:smNativeData xmlns:pr="smNativeData" xmlns="smNativeData" val="SMDATA_6_iunWYhMAAAAlAAAAAQAAAA8BAAAAkAAAAEgAAACQAAAASAAAAAAAAAAAAAAAAAAAABcAAAAUAAAAAAAAAAAAAAD/fwAA/38AAAAAAAAJAAAABAAAAF0qAAAfAAAAVAAAAAAAAAAAAAAAAAAAAAAAAAAAAAAAAAAAAAAAAAAAAAAAAAAAAAAAAAAAAAAAAAAAAAAAAAAAAAAAAAAAAAAAAAAAAAAAAAAAAAAAAAAAAAAAAAAAACEAAAAYAAAAFAAAAEQRAACaFwAAXDMAALAkAAAQAAAAJgAAAAgAAAD/////AAAAAA=="/>
+                <pr:smNativeData xmlns:pr="smNativeData" xmlns="smNativeData" val="SMDATA_6_0rbXYhMAAAAlAAAAAQAAAA8BAAAAkAAAAEgAAACQAAAASAAAAAAAAAAAAAAAAAAAABcAAAAUAAAAAAAAAAAAAAD/fwAA/38AAAAAAAAJAAAABAAAAF0qAAAfAAAAVAAAAAAAAAAAAAAAAAAAAAAAAAAAAAAAAAAAAAAAAAAAAAAAAAAAAAAAAAAAAAAAAAAAAAAAAAAAAAAAAAAAAAAAAAAAAAAAAAAAAAAAAAAAAAAAAAAAACEAAAAYAAAAFAAAAEQRAACaFwAAXDMAALAkAAAQAAAAJgAAAAgAAAD/////AAAAAA=="/>
               </a:ext>
             </a:extLst>
           </p:cNvGrpSpPr>
@@ -12400,7 +12578,7 @@
             <p:cNvGrpSpPr>
               <a:extLst>
                 <a:ext uri="smNativeData">
-                  <pr:smNativeData xmlns:pr="smNativeData" xmlns="smNativeData" val="SMDATA_6_iunWYhMAAAAlAAAAAQAAAA8BAAAAkAAAAEgAAACQAAAASAAAAAAAAAAAAAAAAAAAABcAAAAUAAAAAAAAAAAAAAD/fwAA/38AAAAAAAAJAAAABAAAAEgBAAAfAAAAVAAAAAAAAAAAAAAAAAAAAAAAAAAAAAAAAAAAAAAAAAAAAAAAAAAAAAAAAAAAAAAAAAAAAAAAAAAAAAAAAAAAAAAAAAAAAAAAAAAAAAAAAAAAAAAAAAAAACEAAAAYAAAAFAAAAM8VAACaFwAAXDMAALAkAAAAAAAAJgAAAAgAAAD/////AAAAAA=="/>
+                  <pr:smNativeData xmlns:pr="smNativeData" xmlns="smNativeData" val="SMDATA_6_0rbXYhMAAAAlAAAAAQAAAA8BAAAAkAAAAEgAAACQAAAASAAAAAAAAAAAAAAAAAAAABcAAAAUAAAAAAAAAAAAAAD/fwAA/38AAAAAAAAJAAAABAAAAEgBAAAfAAAAVAAAAAAAAAAAAAAAAAAAAAAAAAAAAAAAAAAAAAAAAAAAAAAAAAAAAAAAAAAAAAAAAAAAAAAAAAAAAAAAAAAAAAAAAAAAAAAAAAAAAAAAAAAAAAAAAAAAACEAAAAYAAAAFAAAAM8VAACaFwAAXDMAALAkAAAAAAAAJgAAAAgAAAD/////AAAAAA=="/>
                 </a:ext>
               </a:extLst>
             </p:cNvGrpSpPr>
@@ -12420,7 +12598,7 @@
               <p:cNvSpPr>
                 <a:extLst>
                   <a:ext uri="smNativeData">
-                    <pr:smNativeData xmlns:pr="smNativeData" xmlns="smNativeData" val="SMDATA_15_iunWYhMAAAAlAAAAZAAAAE0AAAAAkAAAAEgAAACQAAAASAAAAAAAAAAAAAAAAAAAAAEAAABQAAAAAAAAAAAA4D8AAAAAAADgPwAAAAAAAOA/AAAAAAAA4D8AAAAAAADgPwAAAAAAAOA/AAAAAAAA4D8AAAAAAADgPwAAAAAAAOA/AAAAAAAA4D8CAAAAjAAAAAAAAAAAAAAAT4G9DP///wgAAAAAAAAAAAAAAAAAAAAAAAAAAAAAAAAAAAAAZAAAAAEAAABAAAAAAAAAAAAAAAAAAAAAAAAAAAAAAAAAAAAAAAAAAAAAAAAAAAAAAAAAAAAAAAAAAAAAAAAAAAAAAAAAAAAAAAAAAAAAAAAAAAAAAAAAAAAAAAAAAAAAFAAAADwAAAAAAAAAAAAAAAAAAAAPAAAAAQAAACMAAAAjAAAAIwAAAB4AAAAAAAAAZAAAAGQAAAAAAAAAZAAAAGQAAAAVAAAAYAAAAAAAAAAAAAAADwAAACADAAAAAAAAAAAAAAEAAACgMgAAVgcAAKr4//8BAAAAf39/AAEAAABkAAAAAAAAABQAAABAHwAAAAAAACYAAAAAAAAAwOD//wAAAAAmAAAAZAAAABYAAABMAAAAAAAAAAAAAAAEAAAAAAAAAAEAAADu7OEKAAAAACgAAAAoAAAAZAAAAGQAAAAAAAAAzMzMAAAAAABQAAAAUAAAAGQAAABkAAAAAAAAABcAAAAUAAAAAAAAAAAAAAD/fwAA/38AAAAAAAAJAAAABAAAAAAAAAAeAAAAaAAAAAAAAAAAAAAAAAAAAAAAAAAAAAAAECcAABAnAAAAAAAAAAAAAAAAAAAAAAAAAAAAAAAAAAAAAAAAAAAAABQAAAAAAAAAwMD/AAAAAABkAAAAMgAAAAAAAABkAAAAAAAAAH9/fwAKAAAAIgAAABgAAAAAAAAAAAAAAAAAAAAAAAAAAAAAAAAAAAAkAAAAJAAAAAAAAAAHAAAAAAAAAAAAAAAAAAAAAAAAAAAAAAAAAAAAf39/ACUAAABYAAAAAAAAAAAAAAAAAAAAAAAAAAAAAAAAAAAAAAAAAAAAAAAAAAAAAAAAAAAAAAA/AAAAAAAAAKCGAQAAAAAAAAAAAAAAAAAMAAAAAQAAAAAAAAAAAAAAAAAAAB8AAABUAAAAT4G9Bf///wEAAAAAAAAAAAAAAAAAAAAAAAAAAAAAAAAAAAAAAAAAAAAAAAB/f38A7uzhA8zMzADAwP8Af39/AAAAAAAAAAAAAAAAAAAAAAAAAAAAIQAAABgAAAAUAAAA1xcAAJoXAABcMwAA3xkAAAAgAAAmAAAACAAAAP//////////"/>
+                    <pr:smNativeData xmlns:pr="smNativeData" xmlns="smNativeData" val="SMDATA_15_0rbXYhMAAAAlAAAAZAAAAE0AAAAAkAAAAEgAAACQAAAASAAAAAAAAAAAAAAAAAAAAAEAAABQAAAAAAAAAAAA4D8AAAAAAADgPwAAAAAAAOA/AAAAAAAA4D8AAAAAAADgPwAAAAAAAOA/AAAAAAAA4D8AAAAAAADgPwAAAAAAAOA/AAAAAAAA4D8CAAAAjAAAAAAAAAAAAAAAT4G9DP///wgAAAAAAAAAAAAAAAAAAAAAAAAAAAAAAAAAAAAAZAAAAAEAAABAAAAAAAAAAAAAAAAAAAAAAAAAAAAAAAAAAAAAAAAAAAAAAAAAAAAAAAAAAAAAAAAAAAAAAAAAAAAAAAAAAAAAAAAAAAAAAAAAAAAAAAAAAAAAAAAAAAAAFAAAADwAAAAAAAAAAAAAAAAAAAAPAAAAAQAAACMAAAAjAAAAIwAAAB4AAAAAAAAAZAAAAGQAAAAAAAAAZAAAAGQAAAAVAAAAYAAAAAAAAAAAAAAADwAAACADAAAAAAAAAAAAAAEAAACgMgAAVgcAAKr4//8BAAAAf39/AAEAAABkAAAAAAAAABQAAABAHwAAAAAAACYAAAAAAAAAwOD//wAAAAAmAAAAZAAAABYAAABMAAAAAAAAAAAAAAAEAAAAAAAAAAEAAADu7OEKAAAAACgAAAAoAAAAZAAAAGQAAAAAAAAAzMzMAAAAAABQAAAAUAAAAGQAAABkAAAAAAAAABcAAAAUAAAAAAAAAAAAAAD/fwAA/38AAAAAAAAJAAAABAAAAAAAAAAeAAAAaAAAAAAAAAAAAAAAAAAAAAAAAAAAAAAAECcAABAnAAAAAAAAAAAAAAAAAAAAAAAAAAAAAAAAAAAAAAAAAAAAABQAAAAAAAAAwMD/AAAAAABkAAAAMgAAAAAAAABkAAAAAAAAAH9/fwAKAAAAIgAAABgAAAAAAAAAAAAAAAAAAAAAAAAAAAAAAAAAAAAkAAAAJAAAAAAAAAAHAAAAAAAAAAAAAAAAAAAAAAAAAAAAAAAAAAAAf39/ACUAAABYAAAAAAAAAAAAAAAAAAAAAAAAAAAAAAAAAAAAAAAAAAAAAAAAAAAAAAAAAAAAAAA/AAAAAAAAAKCGAQAAAAAAAAAAAAAAAAAMAAAAAQAAAAAAAAAAAAAAAAAAAB8AAABUAAAAT4G9Bf///wEAAAAAAAAAAAAAAAAAAAAAAAAAAAAAAAAAAAAAAAAAAAAAAAB/f38A7uzhA8zMzADAwP8Af39/AAAAAAAAAAAAAAAAAAAAAAAAAAAAIQAAABgAAAAUAAAA1xcAAJoXAABcMwAA3xkAAAAgAAAmAAAACAAAAP//////////"/>
                   </a:ext>
                 </a:extLst>
               </p:cNvSpPr>
@@ -12469,7 +12647,7 @@
               <p:cNvSpPr>
                 <a:extLst>
                   <a:ext uri="smNativeData">
-                    <pr:smNativeData xmlns:pr="smNativeData" xmlns="smNativeData" val="SMDATA_15_iunWYhMAAAAlAAAAZAAAAE0AAAAAkAAAAEgAAACQAAAASAAAAAAAAAAAAAAAAAAAAAEAAABQAAAAAAAAAAAA4D8AAAAAAADgPwAAAAAAAOA/AAAAAAAA4D8AAAAAAADgPwAAAAAAAOA/AAAAAAAA4D8AAAAAAADgPwAAAAAAAOA/AAAAAAAA4D8CAAAAjAAAAAAAAAAAAAAAT4G9DP///wgAAAAAAAAAAAAAAAAAAAAAAAAAAAAAAAAAAAAAZAAAAAEAAABAAAAAAAAAAAAAAAAAAAAAAAAAAAAAAAAAAAAAAAAAAAAAAAAAAAAAAAAAAAAAAAAAAAAAAAAAAAAAAAAAAAAAAAAAAAAAAAAAAAAAAAAAAAAAAAAAAAAAFAAAADwAAAAAAAAAAAAAAAAAAAAPAAAAAQAAACMAAAAjAAAAIwAAAB4AAAAAAAAAZAAAAGQAAAAAAAAAZAAAAGQAAAAVAAAAYAAAAAAAAAAAAAAADwAAACADAAAAAAAAAAAAAAEAAACgMgAAVgcAAKr4//8BAAAAf39/AAEAAABkAAAAAAAAABQAAABAHwAAAAAAACYAAAAAAAAAwOD//wAAAAAmAAAAZAAAABYAAABMAAAAAAAAAAAAAAAEAAAAAAAAAAEAAADu7OEKAAAAACgAAAAoAAAAZAAAAGQAAAAAAAAAzMzMAAAAAABQAAAAUAAAAGQAAABkAAAAAAAAABcAAAAUAAAAAAAAAAAAAAD/fwAA/38AAAAAAAAJAAAABAAAAAAAAAAeAAAAaAAAAAAAAAAAAAAAAAAAAAAAAAAAAAAAECcAABAnAAAAAAAAAAAAAAAAAAAAAAAAAAAAAAAAAAAAAAAAAAAAABQAAAAAAAAAwMD/AAAAAABkAAAAMgAAAAAAAABkAAAAAAAAAH9/fwAKAAAAIgAAABgAAAAAAAAAAAAAAAAAAAAAAAAAAAAAAAAAAAAkAAAAJAAAAAAAAAAHAAAAAAAAAAAAAAAAAAAAAAAAAAAAAAAAAAAAf39/ACUAAABYAAAAAAAAAAAAAAAAAAAAAAAAAAAAAAAAAAAAAAAAAAAAAAAAAAAAAAAAAAAAAAA/AAAAAAAAAKCGAQAAAAAAAAAAAAAAAAAMAAAAAQAAAAAAAAAAAAAAAAAAAB8AAABUAAAAT4G9Bf///wEAAAAAAAAAAAAAAAAAAAAAAAAAAAAAAAAAAAAAAAAAAAAAAAB/f38A7uzhA8zMzADAwP8Af39/AAAAAAAAAAAAAAAAAAAAAAAAAAAAIQAAABgAAAAUAAAAzxUAAGsiAACtJgAAsCQAAAAgAAAmAAAACAAAAP//////////"/>
+                    <pr:smNativeData xmlns:pr="smNativeData" xmlns="smNativeData" val="SMDATA_15_0rbXYhMAAAAlAAAAZAAAAE0AAAAAkAAAAEgAAACQAAAASAAAAAAAAAAAAAAAAAAAAAEAAABQAAAAAAAAAAAA4D8AAAAAAADgPwAAAAAAAOA/AAAAAAAA4D8AAAAAAADgPwAAAAAAAOA/AAAAAAAA4D8AAAAAAADgPwAAAAAAAOA/AAAAAAAA4D8CAAAAjAAAAAAAAAAAAAAAT4G9DP///wgAAAAAAAAAAAAAAAAAAAAAAAAAAAAAAAAAAAAAZAAAAAEAAABAAAAAAAAAAAAAAAAAAAAAAAAAAAAAAAAAAAAAAAAAAAAAAAAAAAAAAAAAAAAAAAAAAAAAAAAAAAAAAAAAAAAAAAAAAAAAAAAAAAAAAAAAAAAAAAAAAAAAFAAAADwAAAAAAAAAAAAAAAAAAAAPAAAAAQAAACMAAAAjAAAAIwAAAB4AAAAAAAAAZAAAAGQAAAAAAAAAZAAAAGQAAAAVAAAAYAAAAAAAAAAAAAAADwAAACADAAAAAAAAAAAAAAEAAACgMgAAVgcAAKr4//8BAAAAf39/AAEAAABkAAAAAAAAABQAAABAHwAAAAAAACYAAAAAAAAAwOD//wAAAAAmAAAAZAAAABYAAABMAAAAAAAAAAAAAAAEAAAAAAAAAAEAAADu7OEKAAAAACgAAAAoAAAAZAAAAGQAAAAAAAAAzMzMAAAAAABQAAAAUAAAAGQAAABkAAAAAAAAABcAAAAUAAAAAAAAAAAAAAD/fwAA/38AAAAAAAAJAAAABAAAAAAAAAAeAAAAaAAAAAAAAAAAAAAAAAAAAAAAAAAAAAAAECcAABAnAAAAAAAAAAAAAAAAAAAAAAAAAAAAAAAAAAAAAAAAAAAAABQAAAAAAAAAwMD/AAAAAABkAAAAMgAAAAAAAABkAAAAAAAAAH9/fwAKAAAAIgAAABgAAAAAAAAAAAAAAAAAAAAAAAAAAAAAAAAAAAAkAAAAJAAAAAAAAAAHAAAAAAAAAAAAAAAAAAAAAAAAAAAAAAAAAAAAf39/ACUAAABYAAAAAAAAAAAAAAAAAAAAAAAAAAAAAAAAAAAAAAAAAAAAAAAAAAAAAAAAAAAAAAA/AAAAAAAAAKCGAQAAAAAAAAAAAAAAAAAMAAAAAQAAAAAAAAAAAAAAAAAAAB8AAABUAAAAT4G9Bf///wEAAAAAAAAAAAAAAAAAAAAAAAAAAAAAAAAAAAAAAAAAAAAAAAB/f38A7uzhA8zMzADAwP8Af39/AAAAAAAAAAAAAAAAAAAAAAAAAAAAIQAAABgAAAAUAAAAzxUAAGsiAACtJgAAsCQAAAAgAAAmAAAACAAAAP//////////"/>
                   </a:ext>
                 </a:extLst>
               </p:cNvSpPr>
@@ -12520,7 +12698,7 @@
               <a:stCxn id="9" idx="1"/>
               <a:extLst>
                 <a:ext uri="smNativeData">
-                  <pr:smNativeData xmlns:pr="smNativeData" xmlns="smNativeData" val="SMDATA_15_iunWYhMAAAAlAAAADQAAAA0AAAAAkAAAAEgAAACQAAAASAAAAAAAAAAAAAAAAgAAAAEAAABQAAAAAAAAAAAA8L8AAAAAAAAAAAAAAAAAAPA/AAAAAAAA4D8AAAAAAADgPwAAAAAAAOA/AAAAAAAA4D8AAAAAAADgPwAAAAAAAOA/AAAAAAAA4D8CAAAAjAAAAAAAAAAAAAAA////AP///wgAAAAAAAAAAAAAAAAAAAAAAAAAAAAAAAAAAAAAeAAAAAEAAABAAAAAAAAAAAAAAABaAAAAAAAAAAAAAAAAAAAAAAAAAAAAAAAAAAAAAAAAAAAAAAAAAAAAAAAAAAAAAAAAAAAAAAAAAAAAAAAAAAAAAAAAAAAAAAAAAAAAFAAAADwAAAABAAAAAAAAAMBQTQ0oAAAAAQAAABQAAAAUAAAAFAAAAAEAAAAAAAAAZAAAAGQAAAADAAAAZAAAAGQAAAAVAAAAYAAAAAAAAAAAAAAAAAAAAAAAAAAAAAAAAAAAAAAAAAAAAAAAAAAAAAAAAAAAAAAAAAAACQAAAAAAAAAAAAAAAAAAAAAAAAAAAAAAAAAAAAAAAAAAAAAAAAAAAAAAAAAAAAAAABYAAABMAAAAAQAAAAAAAAACAAAAAAAAAAEAAAAAAAAJPgAAAAAAAAAfAAAAZAAAAGQAAAAAAAAAAAAAAAAAAAAAAAAAAAAAAAAAAAAAAAAAAAAAABcAAAAUAAAAAAAAAAAAAAD/fwAA/38AAAAAAAAJAAAABAAAAAAAAAAeAAAAaAAAAAAAAAAAAAAAAAAAAAAAAAAAAAAAECcAABAnAAAAAAAAAAAAAAAAAAAAAAAAAAAAAAAAAAAAAAAAAAAAAD8AAAAAAAAAwMD/AAAAAABkAAAAMgAAAAAAAABkAAAAAAAAAH9/fwAKAAAAIgAAABgAAAAAAAAAAAAAAAAAAAAAAAAAAAAAAAAAAAAkAAAAJAAAAAAAAAAHAAAAAAAAAAAAAAAAAAAAAAAAAAAAAAAAAAAAf39/ACUAAABYAAAAAAAAAAAAAAAAAAAAAAAAAAAAAAAAAAAAAAAAAAAAAAAAAAAAAAAAAAAAAAA/AAAAAAAAAKCGAQAAAAAAAAAAAAAAAAAMAAAAAQAAAAAAAAAAAAAAAAAAAB8AAABUAAAA////AP///wEAAAAAAAAAAAAAAAAAAAAAAAAAAAAAAAAAAAAAAAAAAMBQTQYAAAACAAAAAgAAAADAwP8Af39/AAAAAAAAAAAAAAAAAAAAAAAAAAAAIQAAABgAAAAUAAAARBEAAL0YAADXFwAAzBwAAAAAAAAmAAAACAAAAP//////////"/>
+                  <pr:smNativeData xmlns:pr="smNativeData" xmlns="smNativeData" val="SMDATA_15_0rbXYhMAAAAlAAAADQAAAA0AAAAAkAAAAEgAAACQAAAASAAAAAAAAAAAAAAAAgAAAAEAAABQAAAAAAAAAAAA8L8AAAAAAAAAAAAAAAAAAPA/AAAAAAAA4D8AAAAAAADgPwAAAAAAAOA/AAAAAAAA4D8AAAAAAADgPwAAAAAAAOA/AAAAAAAA4D8CAAAAjAAAAAAAAAAAAAAA////AP///wgAAAAAAAAAAAAAAAAAAAAAAAAAAAAAAAAAAAAAeAAAAAEAAABAAAAAAAAAAAAAAABaAAAAAAAAAAAAAAAAAAAAAAAAAAAAAAAAAAAAAAAAAAAAAAAAAAAAAAAAAAAAAAAAAAAAAAAAAAAAAAAAAAAAAAAAAAAAAAAAAAAAFAAAADwAAAABAAAAAAAAAMBQTQ0oAAAAAQAAABQAAAAUAAAAFAAAAAEAAAAAAAAAZAAAAGQAAAADAAAAZAAAAGQAAAAVAAAAYAAAAAAAAAAAAAAAAAAAAAAAAAAAAAAAAAAAAAAAAAAAAAAAAAAAAAAAAAAAAAAAAAAACQAAAAAAAAAAAAAAAAAAAAAAAAAAAAAAAAAAAAAAAAAAAAAAAAAAAAAAAAAAAAAAABYAAABMAAAAAQAAAAAAAAACAAAAAAAAAAEAAAAAAAAJPgAAAAAAAAAfAAAAZAAAAGQAAAAAAAAAAAAAAAAAAAAAAAAAAAAAAAAAAAAAAAAAAAAAABcAAAAUAAAAAAAAAAAAAAD/fwAA/38AAAAAAAAJAAAABAAAAAAAAAAeAAAAaAAAAAAAAAAAAAAAAAAAAAAAAAAAAAAAECcAABAnAAAAAAAAAAAAAAAAAAAAAAAAAAAAAAAAAAAAAAAAAAAAAD8AAAAAAAAAwMD/AAAAAABkAAAAMgAAAAAAAABkAAAAAAAAAH9/fwAKAAAAIgAAABgAAAAAAAAAAAAAAAAAAAAAAAAAAAAAAAAAAAAkAAAAJAAAAAAAAAAHAAAAAAAAAAAAAAAAAAAAAAAAAAAAAAAAAAAAf39/ACUAAABYAAAAAAAAAAAAAAAAAAAAAAAAAAAAAAAAAAAAAAAAAAAAAAAAAAAAAAAAAAAAAAA/AAAAAAAAAKCGAQAAAAAAAAAAAAAAAAAMAAAAAQAAAAAAAAAAAAAAAAAAAB8AAABUAAAA////AP///wEAAAAAAAAAAAAAAAAAAAAAAAAAAAAAAAAAAAAAAAAAAMBQTQYAAAACAAAAAgAAAADAwP8Af39/AAAAAAAAAAAAAAAAAAAAAAAAAAAAIQAAABgAAAAUAAAARBEAAL0YAADXFwAAzBwAAAAAAAAmAAAACAAAAP//////////"/>
                 </a:ext>
               </a:extLst>
             </p:cNvCxnSpPr>
@@ -12558,7 +12736,7 @@
             <p:cNvCxnSpPr>
               <a:extLst>
                 <a:ext uri="smNativeData">
-                  <pr:smNativeData xmlns:pr="smNativeData" xmlns="smNativeData" val="SMDATA_15_iunWYhMAAAAlAAAADQAAAA0AAAAAkAAAAEgAAACQAAAASAAAAAAAAAAAAAAAAAAAAAEAAABQAAAAAAAAAAAA8L8AAAAAAAAAAAAAAAAAAPA/AAAAAAAA4D8AAAAAAADgPwAAAAAAAOA/AAAAAAAA4D8AAAAAAADgPwAAAAAAAOA/AAAAAAAA4D8CAAAAjAAAAAAAAAAAAAAA////AP///wgAAAAAAAAAAAAAAAAAAAAAAAAAAAAAAAAAAAAAeAAAAAEAAABAAAAAAAAAAAAAAABaAAAAAAAAAAAAAAAAAAAAAAAAAAAAAAAAAAAAAAAAAAAAAAAAAAAAAAAAAAAAAAAAAAAAAAAAAAAAAAAAAAAAAAAAAAAAAAAAAAAAFAAAADwAAAABAAAAAAAAAMBQTQ0oAAAAAQAAABQAAAAUAAAAFAAAAAEAAAAAAAAAZAAAAGQAAAADAAAAZAAAAGQAAAAVAAAAYAAAAAAAAAAAAAAAAAAAAAAAAAAAAAAAAAAAAAAAAAAAAAAAAAAAAAAAAAAAAAAAAAAACQAAAAAAAAAAAAAAAAAAAAAAAAAAAAAAAAAAAAAAAAAAAAAAAAAAAAAAAAAAAAAAABYAAABMAAAAAQAAAAAAAAACAAAAAAAAAAEAAAAAAAAJPgAAAAAAAAAfAAAAZAAAAGQAAAAAAAAAAAAAAAAAAAAAAAAAAAAAAAAAAAAAAAAAAAAAABcAAAAUAAAAAAAAAAAAAAD/fwAA/38AAAAAAAAJAAAABAAAAAAAAAAeAAAAaAAAAAAAAAAAAAAAAAAAAAAAAAAAAAAAECcAABAnAAAAAAAAAAAAAAAAAAAAAAAAAAAAAAAAAAAAAAAAAAAAAD8AAAAAAAAAwMD/AAAAAABkAAAAMgAAAAAAAABkAAAAAAAAAH9/fwAKAAAAIgAAABgAAAAAAAAAAAAAAAAAAAAAAAAAAAAAAAAAAAAkAAAAJAAAAAAAAAAHAAAAAAAAAAAAAAAAAAAAAAAAAAAAAAAAAAAAf39/ACUAAABYAAAAAAAAAAAAAAAAAAAAAAAAAAAAAAAAAAAAAAAAAAAAAAAAAAAAAAAAAAAAAAA/AAAAAAAAAKCGAQAAAAAAAAAAAAAAAAAMAAAAAQAAAAAAAAAAAAAAAAAAAB8AAABUAAAA////AP///wEAAAAAAAAAAAAAAAAAAAAAAAAAAAAAAAAAAAAAAAAAAMBQTQYAAAACAAAAAgAAAADAwP8Af39/AAAAAAAAAAAAAAAAAAAAAAAAAAAAIQAAABgAAAAUAAAA9xQAAJQgAADXFwAAayIAAAAAAAAmAAAACAAAAP//////////"/>
+                  <pr:smNativeData xmlns:pr="smNativeData" xmlns="smNativeData" val="SMDATA_15_0rbXYhMAAAAlAAAADQAAAA0AAAAAkAAAAEgAAACQAAAASAAAAAAAAAAAAAAAAAAAAAEAAABQAAAAAAAAAAAA8L8AAAAAAAAAAAAAAAAAAPA/AAAAAAAA4D8AAAAAAADgPwAAAAAAAOA/AAAAAAAA4D8AAAAAAADgPwAAAAAAAOA/AAAAAAAA4D8CAAAAjAAAAAAAAAAAAAAA////AP///wgAAAAAAAAAAAAAAAAAAAAAAAAAAAAAAAAAAAAAeAAAAAEAAABAAAAAAAAAAAAAAABaAAAAAAAAAAAAAAAAAAAAAAAAAAAAAAAAAAAAAAAAAAAAAAAAAAAAAAAAAAAAAAAAAAAAAAAAAAAAAAAAAAAAAAAAAAAAAAAAAAAAFAAAADwAAAABAAAAAAAAAMBQTQ0oAAAAAQAAABQAAAAUAAAAFAAAAAEAAAAAAAAAZAAAAGQAAAADAAAAZAAAAGQAAAAVAAAAYAAAAAAAAAAAAAAAAAAAAAAAAAAAAAAAAAAAAAAAAAAAAAAAAAAAAAAAAAAAAAAAAAAACQAAAAAAAAAAAAAAAAAAAAAAAAAAAAAAAAAAAAAAAAAAAAAAAAAAAAAAAAAAAAAAABYAAABMAAAAAQAAAAAAAAACAAAAAAAAAAEAAAAAAAAJPgAAAAAAAAAfAAAAZAAAAGQAAAAAAAAAAAAAAAAAAAAAAAAAAAAAAAAAAAAAAAAAAAAAABcAAAAUAAAAAAAAAAAAAAD/fwAA/38AAAAAAAAJAAAABAAAAAAAAAAeAAAAaAAAAAAAAAAAAAAAAAAAAAAAAAAAAAAAECcAABAnAAAAAAAAAAAAAAAAAAAAAAAAAAAAAAAAAAAAAAAAAAAAAD8AAAAAAAAAwMD/AAAAAABkAAAAMgAAAAAAAABkAAAAAAAAAH9/fwAKAAAAIgAAABgAAAAAAAAAAAAAAAAAAAAAAAAAAAAAAAAAAAAkAAAAJAAAAAAAAAAHAAAAAAAAAAAAAAAAAAAAAAAAAAAAAAAAAAAAf39/ACUAAABYAAAAAAAAAAAAAAAAAAAAAAAAAAAAAAAAAAAAAAAAAAAAAAAAAAAAAAAAAAAAAAA/AAAAAAAAAKCGAQAAAAAAAAAAAAAAAAAMAAAAAQAAAAAAAAAAAAAAAAAAAB8AAABUAAAA////AP///wEAAAAAAAAAAAAAAAAAAAAAAAAAAAAAAAAAAAAAAAAAAMBQTQYAAAACAAAAAgAAAADAwP8Af39/AAAAAAAAAAAAAAAAAAAAAAAAAAAAIQAAABgAAAAUAAAA9xQAAJQgAADXFwAAayIAAAAAAAAmAAAACAAAAP//////////"/>
                 </a:ext>
               </a:extLst>
             </p:cNvCxnSpPr>
@@ -12675,441 +12853,9 @@
     </p:bldLst>
     <p:extLst>
       <p:ext uri="smNativeData">
-        <pr:smNativeData xmlns:pr="smNativeData" xmlns="smNativeData" val="iunWYgEAAAAFAAAA/f///wEAAAABAAAAAAAAAAAAAAAAAAAAAAAAAA=="/>
+        <pr:smNativeData xmlns:pr="smNativeData" xmlns="smNativeData" val="0rbXYgEAAAAFAAAA/f///wEAAAABAAAAAAAAAAAAAAAAAAAAAAAAAA=="/>
       </p:ext>
     </p:extLst>
-  </p:timing>
-</p:sld>
-</file>
-
-<file path=ppt/slides/slide34.xml><?xml version="1.0" encoding="utf-8"?>
-<p:sld xmlns:p="http://schemas.openxmlformats.org/presentationml/2006/main" xmlns:mc="http://schemas.openxmlformats.org/markup-compatibility/2006" xmlns:p14="http://schemas.microsoft.com/office/powerpoint/2010/main" xmlns:p15="http://schemas.microsoft.com/office/powerpoint/2012/main" xmlns:r="http://schemas.openxmlformats.org/officeDocument/2006/relationships" xmlns:a="http://schemas.openxmlformats.org/drawingml/2006/main" mc:Ignorable="p14" show="0">
-  <p:cSld>
-    <p:spTree>
-      <p:nvGrpSpPr>
-        <p:cNvPr id="1" name=""/>
-        <p:cNvGrpSpPr/>
-        <p:nvPr/>
-      </p:nvGrpSpPr>
-      <p:grpSpPr>
-        <a:xfrm>
-          <a:off x="0" y="0"/>
-          <a:ext cx="0" cy="0"/>
-          <a:chOff x="0" y="0"/>
-          <a:chExt cx="0" cy="0"/>
-        </a:xfrm>
-      </p:grpSpPr>
-      <p:sp>
-        <p:nvSpPr>
-          <p:cNvPr id="2" name="Titre 1"/>
-          <p:cNvSpPr>
-            <a:spLocks noGrp="1" noChangeArrowheads="1"/>
-            <a:extLst>
-              <a:ext uri="smNativeData">
-                <pr:smNativeData xmlns:pr="smNativeData" xmlns="smNativeData" val="SMDATA_15_iunWYhMAAAAlAAAAZAAAAA0AAAAAkAAAAEgAAACQAAAASAAAAAAAAAABAAAAAAAAAAEAAABQAAAAAAAAAAAA4D8AAAAAAADgPwAAAAAAAOA/AAAAAAAA4D8AAAAAAADgPwAAAAAAAOA/AAAAAAAA4D8AAAAAAADgPwAAAAAAAOA/AAAAAAAA4D8CAAAAjAAAAAAAAAAAAAAAT4G9DP///wgAAAAAAAAAAAAAAAAAAAAAAAAAAAAAAAAAAAAAZAAAAAEAAABAAAAAAAAAAAAAAAAAAAAAAAAAAAAAAAAAAAAAAAAAAAAAAAAAAAAAAAAAAAAAAAAAAAAAAAAAAAAAAAAAAAAAAAAAAAAAAAAAAAAAAAAAAAAAAAAAAAAAFAAAADwAAAAAAAAAAAAAAAAAAAkUAAAAAQAAABQAAAAUAAAAFAAAAAEAAAAAAAAAZAAAAGQAAAAAAAAAZAAAAGQAAAAVAAAAYAAAAAAAAAAAAAAADwAAACADAAAAAAAAAAAAAAEAAACgMgAAVgcAAKr4//8BAAAAf39/AAEAAABkAAAAAAAAABQAAABAHwAAAAAAACYAAAAAAAAAwOD//wAAAAAmAAAAZAAAABYAAABMAAAAAAAAAAAAAAAEAAAAAAAAAAEAAADu7OEKAAAAACgAAAAoAAAAZAAAAGQAAAAAAAAAzMzMAAAAAABQAAAAUAAAAGQAAABkAAAAAAAAABcAAAAUAAAAAAAAAAAAAAD/fwAA/38AAAAAAAAJAAAABAAAAAAAAAEeAAAAaAAAAAAAAAAAAAAAAAAAAAAAAAAAAAAAECcAABAnAAAAAAAAAAAAAAAAAAAAAAAAAAAAAAAAAAAAAAAAAAAAABQAAAAAAAAAwMD/AAAAAABkAAAAMgAAAAAAAABkAAAAAAAAAH9/fwAKAAAAIgAAABgAAAAAAAAAAAAAAAAAAAAAAAAAAAAAAAAAAAAkAAAAJAAAAAAAAAAHAAAAAAAAAAAAAAAAAAAAAAAAAAAAAAAAAAAAf39/ACUAAABYAAAAAAAAAAAAAAAAAAAAAAAAAAAAAAAAAAAAAAAAAAAAAAAAAAAAAAAAAAAAAAA/AAAAAAAAAKCGAQAAAAAAAAAAAAAAAAAMAAAAAQAAAAAAAAAAAAAAAAAAAB8AAABUAAAAT4G9Bf///wEAAAAAAAAAAAAAAAAAAAAAAAAAAAAAAAAAAAAAAAAAAAAAAAJ/f38A7uzhA8zMzADAwP8Af39/AAAAAAAAAAAAAAAAAAAAAAAAAAAAIQAAABgAAAAUAAAA0AIAAKH9//9wNQAAqQQAABAAAAAmAAAACAAAAAEAAAAAAAAA"/>
-              </a:ext>
-            </a:extLst>
-          </p:cNvSpPr>
-          <p:nvPr>
-            <p:ph type="title"/>
-          </p:nvPr>
-        </p:nvSpPr>
-        <p:spPr>
-          <a:xfrm>
-            <a:off x="457200" y="-385445"/>
-            <a:ext cx="8229600" cy="1143000"/>
-          </a:xfrm>
-        </p:spPr>
-        <p:txBody>
-          <a:bodyPr/>
-          <a:lstStyle/>
-          <a:p>
-            <a:pPr>
-              <a:defRPr lang="fr-fr"/>
-            </a:pPr>
-            <a:r>
-              <a:t>Preparing for inference</a:t>
-            </a:r>
-          </a:p>
-        </p:txBody>
-      </p:sp>
-      <p:sp>
-        <p:nvSpPr>
-          <p:cNvPr id="3" name="Espace réservé du contenu 2"/>
-          <p:cNvSpPr>
-            <a:spLocks noGrp="1" noChangeArrowheads="1"/>
-            <a:extLst>
-              <a:ext uri="smNativeData">
-                <pr:smNativeData xmlns:pr="smNativeData" xmlns="smNativeData" val="SMDATA_15_iunWYhMAAAAlAAAAZAAAAA0AAAAAkAAAAEgAAACQAAAASAAAAAAAAAAAAAAAAAAAAAEAAABQAAAAAAAAAAAA4D8AAAAAAADgPwAAAAAAAOA/AAAAAAAA4D8AAAAAAADgPwAAAAAAAOA/AAAAAAAA4D8AAAAAAADgPwAAAAAAAOA/AAAAAAAA4D8CAAAAjAAAAAAAAAAAAAAAT4G9DP///wgAAAAAAAAAAAAAAAAAAAAAAAAAAAAAAAAAAAAAZAAAAAEAAABAAAAAAAAAAAAAAAAAAAAAAAAAAAAAAAAAAAAAAAAAAAAAAAAAAAAAAAAAAAAAAAAAAAAAAAAAAAAAAAAAAAAAAAAAAAAAAAAAAAAAAAAAAAAAAAAAAAAAFAAAADwAAAAAAAAAAAAAAAAAAAkUAAAAAQAAABQAAAAUAAAAFAAAAAEAAAAAAAAAZAAAAGQAAAAAAAAAZAAAAGQAAAAVAAAAYAAAAAAAAAAAAAAADwAAACADAAAAAAAAAAAAAAEAAACgMgAAVgcAAKr4//8BAAAAf39/AAEAAABkAAAAAAAAABQAAABAHwAAAAAAACYAAAAAAAAAwOD//wAAAAAmAAAAZAAAABYAAABMAAAAAAAAAAAAAAAEAAAAAAAAAAEAAADu7OEKAAAAACgAAAAoAAAAZAAAAGQAAAAAAAAAzMzMAAAAAABQAAAAUAAAAGQAAABkAAAAAAAAABcAAAAUAAAAAAAAAAAAAAD/fwAA/38AAAAAAAAJAAAABAAAABOkAAAeAAAAaAAAAAAAAAAAAAAAAAAAAAAAAAAAAAAAECcAABAnAAAAAAAAAAAAAAAAAAAAAAAAAAAAAAAAAAAAAAAAAAAAABQAAAAAAAAAwMD/AAAAAABkAAAAMgAAAAAAAABkAAAAAAAAAH9/fwAKAAAAIgAAABgAAAAAAAAAAAAAAAAAAAAAAAAAAAAAAAAAAAAkAAAAJAAAAAAAAAAHAAAAAAAAAAAAAAAAAAAAAAAAAAAAAAAAAAAAf39/ACUAAABYAAAAAAAAAAAAAAAAAAAAAAAAAAAAAAAAAAAAAAAAAAAAAAAAAAAAAAAAAAAAAAA/AAAAAAAAAKCGAQAAAAAAAAAAAAAAAAAMAAAAAQAAAAAAAAAAAAAAAAAAAB8AAABUAAAAT4G9Bf///wEAAAAAAAAAAAAAAAAAAAAAAAAAAAAAAAAAAAAAAAAAAAAAAAJ/f38A7uzhA8zMzADAwP8Af39/AAAAAAAAAAAAAAAAAAAAAAAAAAAAIQAAABgAAAAUAAAAAAAAADQDAABAOAAAMCoAABAAAAAmAAAACAAAAAEgAAAAAAAA"/>
-              </a:ext>
-            </a:extLst>
-          </p:cNvSpPr>
-          <p:nvPr>
-            <p:ph type="body" idx="1"/>
-          </p:nvPr>
-        </p:nvSpPr>
-        <p:spPr>
-          <a:xfrm>
-            <a:off x="0" y="520700"/>
-            <a:ext cx="9144000" cy="6337300"/>
-          </a:xfrm>
-        </p:spPr>
-        <p:txBody>
-          <a:bodyPr vert="horz" wrap="square" lIns="91440" tIns="45720" rIns="91440" bIns="45720" numCol="1" spcCol="215900" anchor="t">
-            <a:prstTxWarp prst="textNoShape">
-              <a:avLst/>
-            </a:prstTxWarp>
-          </a:bodyPr>
-          <a:lstStyle/>
-          <a:p>
-            <a:pPr>
-              <a:lnSpc>
-                <a:spcPct val="80000"/>
-              </a:lnSpc>
-              <a:spcBef>
-                <a:spcPts val="360"/>
-              </a:spcBef>
-              <a:buNone/>
-              <a:defRPr lang="fr-fr" sz="1505" cap="none"/>
-            </a:pPr>
-            <a:r>
-              <a:t># Get a hang on the model (any node will do)</a:t>
-            </a:r>
-          </a:p>
-          <a:p>
-            <a:pPr>
-              <a:lnSpc>
-                <a:spcPct val="80000"/>
-              </a:lnSpc>
-              <a:spcBef>
-                <a:spcPts val="360"/>
-              </a:spcBef>
-              <a:buNone/>
-              <a:defRPr lang="fr-fr" sz="1505" cap="none"/>
-            </a:pPr>
-            <a:r>
-              <a:t>mymodel = model(A)</a:t>
-            </a:r>
-          </a:p>
-          <a:p>
-            <a:pPr>
-              <a:lnSpc>
-                <a:spcPct val="80000"/>
-              </a:lnSpc>
-              <a:spcBef>
-                <a:spcPts val="360"/>
-              </a:spcBef>
-              <a:buNone/>
-              <a:defRPr lang="fr-fr" sz="1505" cap="none"/>
-            </a:pPr>
-          </a:p>
-          <a:p>
-            <a:pPr>
-              <a:lnSpc>
-                <a:spcPct val="80000"/>
-              </a:lnSpc>
-              <a:spcBef>
-                <a:spcPts val="360"/>
-              </a:spcBef>
-              <a:buNone/>
-              <a:defRPr lang="fr-fr" sz="1505" cap="none"/>
-            </a:pPr>
-            <a:r>
-              <a:t># Moves</a:t>
-            </a:r>
-          </a:p>
-          <a:p>
-            <a:pPr>
-              <a:lnSpc>
-                <a:spcPct val="80000"/>
-              </a:lnSpc>
-              <a:spcBef>
-                <a:spcPts val="360"/>
-              </a:spcBef>
-              <a:buNone/>
-              <a:defRPr lang="fr-fr" sz="1505" cap="none"/>
-            </a:pPr>
-            <a:r>
-              <a:t>moveIndex = 0</a:t>
-            </a:r>
-          </a:p>
-          <a:p>
-            <a:pPr>
-              <a:lnSpc>
-                <a:spcPct val="80000"/>
-              </a:lnSpc>
-              <a:spcBef>
-                <a:spcPts val="360"/>
-              </a:spcBef>
-              <a:buNone/>
-              <a:defRPr lang="fr-fr" sz="1505" cap="none"/>
-            </a:pPr>
-            <a:r>
-              <a:t>moves[moveIndex++] = mvSlice(A)</a:t>
-            </a:r>
-          </a:p>
-          <a:p>
-            <a:pPr>
-              <a:lnSpc>
-                <a:spcPct val="80000"/>
-              </a:lnSpc>
-              <a:spcBef>
-                <a:spcPts val="360"/>
-              </a:spcBef>
-              <a:buNone/>
-              <a:defRPr lang="fr-fr" sz="1505" cap="none"/>
-            </a:pPr>
-            <a:r>
-              <a:t>moves[moveIndex++] = mvSlice(lalpha)</a:t>
-            </a:r>
-          </a:p>
-          <a:p>
-            <a:pPr>
-              <a:lnSpc>
-                <a:spcPct val="80000"/>
-              </a:lnSpc>
-              <a:spcBef>
-                <a:spcPts val="360"/>
-              </a:spcBef>
-              <a:buNone/>
-              <a:defRPr lang="fr-fr" sz="1505" cap="none"/>
-            </a:pPr>
-            <a:r>
-              <a:t>moves[moveIndex++] = mvSlide(A)</a:t>
-            </a:r>
-          </a:p>
-          <a:p>
-            <a:pPr>
-              <a:lnSpc>
-                <a:spcPct val="80000"/>
-              </a:lnSpc>
-              <a:spcBef>
-                <a:spcPts val="360"/>
-              </a:spcBef>
-              <a:buNone/>
-              <a:defRPr lang="fr-fr" sz="1505" cap="none"/>
-            </a:pPr>
-            <a:r>
-              <a:t>moves[moveIndex++] = mvSlide(lalpha)</a:t>
-            </a:r>
-          </a:p>
-          <a:p>
-            <a:pPr>
-              <a:lnSpc>
-                <a:spcPct val="80000"/>
-              </a:lnSpc>
-              <a:spcBef>
-                <a:spcPts val="360"/>
-              </a:spcBef>
-              <a:buNone/>
-              <a:defRPr lang="fr-fr" sz="1505" cap="none"/>
-            </a:pPr>
-            <a:r>
-              <a:t>moves[moveIndex++] = mvScale(A)</a:t>
-            </a:r>
-          </a:p>
-          <a:p>
-            <a:pPr>
-              <a:lnSpc>
-                <a:spcPct val="80000"/>
-              </a:lnSpc>
-              <a:spcBef>
-                <a:spcPts val="360"/>
-              </a:spcBef>
-              <a:buNone/>
-              <a:defRPr lang="fr-fr" sz="1505" cap="none"/>
-            </a:pPr>
-          </a:p>
-          <a:p>
-            <a:pPr>
-              <a:lnSpc>
-                <a:spcPct val="80000"/>
-              </a:lnSpc>
-              <a:spcBef>
-                <a:spcPts val="360"/>
-              </a:spcBef>
-              <a:buNone/>
-              <a:defRPr lang="fr-fr" sz="1505" cap="none"/>
-            </a:pPr>
-            <a:r>
-              <a:t># Some monitors to see how the MCMC is going</a:t>
-            </a:r>
-          </a:p>
-          <a:p>
-            <a:pPr>
-              <a:lnSpc>
-                <a:spcPct val="80000"/>
-              </a:lnSpc>
-              <a:spcBef>
-                <a:spcPts val="360"/>
-              </a:spcBef>
-              <a:buNone/>
-              <a:defRPr lang="fr-fr" sz="1505" cap="none"/>
-            </a:pPr>
-            <a:r>
-              <a:t>myOutputFile = "boars.log"</a:t>
-            </a:r>
-          </a:p>
-          <a:p>
-            <a:pPr>
-              <a:lnSpc>
-                <a:spcPct val="80000"/>
-              </a:lnSpc>
-              <a:spcBef>
-                <a:spcPts val="360"/>
-              </a:spcBef>
-              <a:buNone/>
-              <a:defRPr lang="fr-fr" sz="1505" cap="none"/>
-            </a:pPr>
-            <a:r>
-              <a:t>monitors[1] = mnModel(filename=myOutputFile, printgen=10, separator=" ")</a:t>
-            </a:r>
-          </a:p>
-          <a:p>
-            <a:pPr>
-              <a:lnSpc>
-                <a:spcPct val="80000"/>
-              </a:lnSpc>
-              <a:spcBef>
-                <a:spcPts val="360"/>
-              </a:spcBef>
-              <a:buNone/>
-              <a:defRPr lang="fr-fr" sz="1505" cap="none"/>
-            </a:pPr>
-            <a:r>
-              <a:t>monitors[2] = mnScreen(printgen=10, A, lalpha)</a:t>
-            </a:r>
-          </a:p>
-          <a:p>
-            <a:pPr>
-              <a:lnSpc>
-                <a:spcPct val="80000"/>
-              </a:lnSpc>
-              <a:spcBef>
-                <a:spcPts val="360"/>
-              </a:spcBef>
-              <a:buNone/>
-              <a:defRPr lang="fr-fr" sz="1505" cap="none"/>
-            </a:pPr>
-          </a:p>
-          <a:p>
-            <a:pPr>
-              <a:lnSpc>
-                <a:spcPct val="80000"/>
-              </a:lnSpc>
-              <a:spcBef>
-                <a:spcPts val="360"/>
-              </a:spcBef>
-              <a:buNone/>
-              <a:defRPr lang="fr-fr" sz="1505" cap="none"/>
-            </a:pPr>
-            <a:r>
-              <a:t># Automatic stopping rules when convergence has occurred or when too much time has passed </a:t>
-            </a:r>
-          </a:p>
-          <a:p>
-            <a:pPr>
-              <a:lnSpc>
-                <a:spcPct val="80000"/>
-              </a:lnSpc>
-              <a:spcBef>
-                <a:spcPts val="360"/>
-              </a:spcBef>
-              <a:buNone/>
-              <a:defRPr lang="fr-fr" sz="1505" cap="none"/>
-            </a:pPr>
-            <a:r>
-              <a:t>stopping_rules[1] = srMaxIteration(200000)</a:t>
-            </a:r>
-          </a:p>
-          <a:p>
-            <a:pPr>
-              <a:lnSpc>
-                <a:spcPct val="80000"/>
-              </a:lnSpc>
-              <a:spcBef>
-                <a:spcPts val="360"/>
-              </a:spcBef>
-              <a:buNone/>
-              <a:defRPr lang="fr-fr" sz="1505" cap="none"/>
-            </a:pPr>
-            <a:r>
-              <a:t>stopping_rules[2] = srMaxTime(15,"hours")</a:t>
-            </a:r>
-          </a:p>
-          <a:p>
-            <a:pPr>
-              <a:lnSpc>
-                <a:spcPct val="80000"/>
-              </a:lnSpc>
-              <a:spcBef>
-                <a:spcPts val="360"/>
-              </a:spcBef>
-              <a:buNone/>
-              <a:defRPr lang="fr-fr" sz="1505" cap="none"/>
-            </a:pPr>
-            <a:r>
-              <a:t>stopping_rules[3] = srMinESS(50,myOutputFile,10000)</a:t>
-            </a:r>
-          </a:p>
-          <a:p>
-            <a:pPr>
-              <a:lnSpc>
-                <a:spcPct val="80000"/>
-              </a:lnSpc>
-              <a:spcBef>
-                <a:spcPts val="360"/>
-              </a:spcBef>
-              <a:buNone/>
-              <a:defRPr lang="fr-fr" sz="1505" cap="none"/>
-            </a:pPr>
-            <a:r>
-              <a:t>stopping_rules[4] = srGelmanRubin(1.01,myOutputFile,10000)</a:t>
-            </a:r>
-          </a:p>
-          <a:p>
-            <a:pPr>
-              <a:lnSpc>
-                <a:spcPct val="80000"/>
-              </a:lnSpc>
-              <a:spcBef>
-                <a:spcPts val="360"/>
-              </a:spcBef>
-              <a:buNone/>
-              <a:defRPr lang="fr-fr" sz="1505" cap="none"/>
-            </a:pPr>
-            <a:r>
-              <a:t>stopping_rules[5] = srGeweke(prob=0.001, file=myOutputFile,freq=10000)</a:t>
-            </a:r>
-          </a:p>
-          <a:p>
-            <a:pPr>
-              <a:lnSpc>
-                <a:spcPct val="80000"/>
-              </a:lnSpc>
-              <a:spcBef>
-                <a:spcPts val="360"/>
-              </a:spcBef>
-              <a:buNone/>
-              <a:defRPr lang="fr-fr" sz="1505" cap="none"/>
-            </a:pPr>
-            <a:r>
-              <a:t>stopping_rules[6] = srStationarity(prob=0.01, file=myOutputFile,freq=10000)</a:t>
-            </a:r>
-          </a:p>
-        </p:txBody>
-      </p:sp>
-    </p:spTree>
-  </p:cSld>
-  <p:clrMapOvr>
-    <a:masterClrMapping/>
-  </p:clrMapOvr>
-  <p:timing>
-    <p:tnLst>
-      <p:par>
-        <p:cTn id="1" dur="indefinite" restart="never" nodeType="tmRoot"/>
-      </p:par>
-    </p:tnLst>
   </p:timing>
 </p:sld>
 </file>
@@ -13138,7 +12884,7 @@
             <a:spLocks noGrp="1" noChangeArrowheads="1"/>
             <a:extLst>
               <a:ext uri="smNativeData">
-                <pr:smNativeData xmlns:pr="smNativeData" xmlns="smNativeData" val="SMDATA_15_iunWYhMAAAAlAAAAZAAAAA0AAAAAkAAAAEgAAACQAAAASAAAAAAAAAABAAAAAAAAAAEAAABQAAAAAAAAAAAA4D8AAAAAAADgPwAAAAAAAOA/AAAAAAAA4D8AAAAAAADgPwAAAAAAAOA/AAAAAAAA4D8AAAAAAADgPwAAAAAAAOA/AAAAAAAA4D8CAAAAjAAAAAAAAAAAAAAAT4G9DP///wgAAAAAAAAAAAAAAAAAAAAAAAAAAAAAAAAAAAAAZAAAAAEAAABAAAAAAAAAAAAAAAAAAAAAAAAAAAAAAAAAAAAAAAAAAAAAAAAAAAAAAAAAAAAAAAAAAAAAAAAAAAAAAAAAAAAAAAAAAAAAAAAAAAAAAAAAAAAAAAAAAAAAFAAAADwAAAAAAAAAAAAAAAAAAAkUAAAAAQAAABQAAAAUAAAAFAAAAAEAAAAAAAAAZAAAAGQAAAAAAAAAZAAAAGQAAAAVAAAAYAAAAAAAAAAAAAAADwAAACADAAAAAAAAAAAAAAEAAACgMgAAVgcAAKr4//8BAAAAf39/AAEAAABkAAAAAAAAABQAAABAHwAAAAAAACYAAAAAAAAAwOD//wAAAAAmAAAAZAAAABYAAABMAAAAAAAAAAAAAAAEAAAAAAAAAAEAAADu7OEKAAAAACgAAAAoAAAAZAAAAGQAAAAAAAAAzMzMAAAAAABQAAAAUAAAAGQAAABkAAAAAAAAABcAAAAUAAAAAAAAAAAAAAD/fwAA/38AAAAAAAAJAAAABAAAAAAAAAAeAAAAaAAAAAAAAAAAAAAAAAAAAAAAAAAAAAAAECcAABAnAAAAAAAAAAAAAAAAAAAAAAAAAAAAAAAAAAAAAAAAAAAAABQAAAAAAAAAwMD/AAAAAABkAAAAMgAAAAAAAABkAAAAAAAAAH9/fwAKAAAAIgAAABgAAAAAAAAAAAAAAAAAAAAAAAAAAAAAAAAAAAAkAAAAJAAAAAAAAAAHAAAAAAAAAAAAAAAAAAAAAAAAAAAAAAAAAAAAf39/ACUAAABYAAAAAAAAAAAAAAAAAAAAAAAAAAAAAAAAAAAAAAAAAAAAAAAAAAAAAAAAAAAAAAA/AAAAAAAAAKCGAQAAAAAAAAAAAAAAAAAMAAAAAQAAAAAAAAAAAAAAAAAAAB8AAABUAAAAT4G9Bf///wEAAAAAAAAAAAAAAAAAAAAAAAAAAAAAAAAAAAAAAAAAAAAAAAJ/f38A7uzhA8zMzADAwP8Af39/AAAAAAAAAAAAAAAAAAAAAAAAAAAAIQAAABgAAAAUAAAA0AIAALEBAABwNQAAuQgAABAAAAAmAAAACAAAAAAAAAAAAAAA"/>
+                <pr:smNativeData xmlns:pr="smNativeData" xmlns="smNativeData" val="SMDATA_15_0rbXYhMAAAAlAAAAZAAAAA0AAAAAkAAAAEgAAACQAAAASAAAAAAAAAABAAAAAAAAAAEAAABQAAAAAAAAAAAA4D8AAAAAAADgPwAAAAAAAOA/AAAAAAAA4D8AAAAAAADgPwAAAAAAAOA/AAAAAAAA4D8AAAAAAADgPwAAAAAAAOA/AAAAAAAA4D8CAAAAjAAAAAAAAAAAAAAAT4G9DP///wgAAAAAAAAAAAAAAAAAAAAAAAAAAAAAAAAAAAAAZAAAAAEAAABAAAAAAAAAAAAAAAAAAAAAAAAAAAAAAAAAAAAAAAAAAAAAAAAAAAAAAAAAAAAAAAAAAAAAAAAAAAAAAAAAAAAAAAAAAAAAAAAAAAAAAAAAAAAAAAAAAAAAFAAAADwAAAAAAAAAAAAAAAAAAAkUAAAAAQAAABQAAAAUAAAAFAAAAAEAAAAAAAAAZAAAAGQAAAAAAAAAZAAAAGQAAAAVAAAAYAAAAAAAAAAAAAAADwAAACADAAAAAAAAAAAAAAEAAACgMgAAVgcAAKr4//8BAAAAf39/AAEAAABkAAAAAAAAABQAAABAHwAAAAAAACYAAAAAAAAAwOD//wAAAAAmAAAAZAAAABYAAABMAAAAAAAAAAAAAAAEAAAAAAAAAAEAAADu7OEKAAAAACgAAAAoAAAAZAAAAGQAAAAAAAAAzMzMAAAAAABQAAAAUAAAAGQAAABkAAAAAAAAABcAAAAUAAAAAAAAAAAAAAD/fwAA/38AAAAAAAAJAAAABAAAAAAAAAEeAAAAaAAAAAAAAAAAAAAAAAAAAAAAAAAAAAAAECcAABAnAAAAAAAAAAAAAAAAAAAAAAAAAAAAAAAAAAAAAAAAAAAAABQAAAAAAAAAwMD/AAAAAABkAAAAMgAAAAAAAABkAAAAAAAAAH9/fwAKAAAAIgAAABgAAAAAAAAAAAAAAAAAAAAAAAAAAAAAAAAAAAAkAAAAJAAAAAAAAAAHAAAAAAAAAAAAAAAAAAAAAAAAAAAAAAAAAAAAf39/ACUAAABYAAAAAAAAAAAAAAAAAAAAAAAAAAAAAAAAAAAAAAAAAAAAAAAAAAAAAAAAAAAAAAA/AAAAAAAAAKCGAQAAAAAAAAAAAAAAAAAMAAAAAQAAAAAAAAAAAAAAAAAAAB8AAABUAAAAT4G9Bf///wEAAAAAAAAAAAAAAAAAAAAAAAAAAAAAAAAAAAAAAAAAAAAAAAJ/f38A7uzhA8zMzADAwP8Af39/AAAAAAAAAAAAAAAAAAAAAAAAAAAAIQAAABgAAAAUAAAA0AIAAKH9//9wNQAAqQQAABAAAAAmAAAACAAAAAEAAAAAAAAA"/>
               </a:ext>
             </a:extLst>
           </p:cNvSpPr>
@@ -13146,7 +12892,12 @@
             <p:ph type="title"/>
           </p:nvPr>
         </p:nvSpPr>
-        <p:spPr/>
+        <p:spPr>
+          <a:xfrm>
+            <a:off x="457200" y="-385445"/>
+            <a:ext cx="8229600" cy="1143000"/>
+          </a:xfrm>
+        </p:spPr>
         <p:txBody>
           <a:bodyPr/>
           <a:lstStyle/>
@@ -13155,7 +12906,7 @@
               <a:defRPr lang="fr-fr"/>
             </a:pPr>
             <a:r>
-              <a:t>Performing inference</a:t>
+              <a:t>Preparing for inference</a:t>
             </a:r>
           </a:p>
         </p:txBody>
@@ -13167,7 +12918,7 @@
             <a:spLocks noGrp="1" noChangeArrowheads="1"/>
             <a:extLst>
               <a:ext uri="smNativeData">
-                <pr:smNativeData xmlns:pr="smNativeData" xmlns="smNativeData" val="SMDATA_15_iunWYhMAAAAlAAAAZAAAAA0AAAAAkAAAAEgAAACQAAAASAAAAAAAAAAAAAAAAAAAAAEAAABQAAAAAAAAAAAA4D8AAAAAAADgPwAAAAAAAOA/AAAAAAAA4D8AAAAAAADgPwAAAAAAAOA/AAAAAAAA4D8AAAAAAADgPwAAAAAAAOA/AAAAAAAA4D8CAAAAjAAAAAAAAAAAAAAAT4G9DP///wgAAAAAAAAAAAAAAAAAAAAAAAAAAAAAAAAAAAAAZAAAAAEAAABAAAAAAAAAAAAAAAAAAAAAAAAAAAAAAAAAAAAAAAAAAAAAAAAAAAAAAAAAAAAAAAAAAAAAAAAAAAAAAAAAAAAAAAAAAAAAAAAAAAAAAAAAAAAAAAAAAAAAFAAAADwAAAAAAAAAAAAAAAAAAAkUAAAAAQAAABQAAAAUAAAAFAAAAAEAAAAAAAAAZAAAAGQAAAAAAAAAZAAAAGQAAAAVAAAAYAAAAAAAAAAAAAAADwAAACADAAAAAAAAAAAAAAEAAACgMgAAVgcAAKr4//8BAAAAf39/AAEAAABkAAAAAAAAABQAAABAHwAAAAAAACYAAAAAAAAAwOD//wAAAAAmAAAAZAAAABYAAABMAAAAAAAAAAAAAAAEAAAAAAAAAAEAAADu7OEKAAAAACgAAAAoAAAAZAAAAGQAAAAAAAAAzMzMAAAAAABQAAAAUAAAAGQAAABkAAAAAAAAABcAAAAUAAAAAAAAAAAAAAD/fwAA/38AAAAAAAAJAAAABAAAAAAAAAAeAAAAaAAAAAAAAAAAAAAAAAAAAAAAAAAAAAAAECcAABAnAAAAAAAAAAAAAAAAAAAAAAAAAAAAAAAAAAAAAAAAAAAAABQAAAAAAAAAwMD/AAAAAABkAAAAMgAAAAAAAABkAAAAAAAAAH9/fwAKAAAAIgAAABgAAAAAAAAAAAAAAAAAAAAAAAAAAAAAAAAAAAAkAAAAJAAAAAAAAAAHAAAAAAAAAAAAAAAAAAAAAAAAAAAAAAAAAAAAf39/ACUAAABYAAAAAAAAAAAAAAAAAAAAAAAAAAAAAAAAAAAAAAAAAAAAAAAAAAAAAAAAAAAAAAA/AAAAAAAAAKCGAQAAAAAAAAAAAAAAAAAMAAAAAQAAAAAAAAAAAAAAAAAAAB8AAABUAAAAT4G9Bf///wEAAAAAAAAAAAAAAAAAAAAAAAAAAAAAAAAAAAAAAAAAAAAAAAJ/f38A7uzhA8zMzADAwP8Af39/AAAAAAAAAAAAAAAAAAAAAAAAAAAAIQAAABgAAAAUAAAA0AIAANgJAABwNQAAPCgAABAAAAAmAAAACAAAAAEgAAAAAAAA"/>
+                <pr:smNativeData xmlns:pr="smNativeData" xmlns="smNativeData" val="SMDATA_15_0rbXYhMAAAAlAAAAZAAAAA0AAAAAkAAAAEgAAACQAAAASAAAAAAAAAAAAAAAAAAAAAEAAABQAAAAAAAAAAAA4D8AAAAAAADgPwAAAAAAAOA/AAAAAAAA4D8AAAAAAADgPwAAAAAAAOA/AAAAAAAA4D8AAAAAAADgPwAAAAAAAOA/AAAAAAAA4D8CAAAAjAAAAAAAAAAAAAAAT4G9DP///wgAAAAAAAAAAAAAAAAAAAAAAAAAAAAAAAAAAAAAZAAAAAEAAABAAAAAAAAAAAAAAAAAAAAAAAAAAAAAAAAAAAAAAAAAAAAAAAAAAAAAAAAAAAAAAAAAAAAAAAAAAAAAAAAAAAAAAAAAAAAAAAAAAAAAAAAAAAAAAAAAAAAAFAAAADwAAAAAAAAAAAAAAAAAAAkUAAAAAQAAABQAAAAUAAAAFAAAAAEAAAAAAAAAZAAAAGQAAAAAAAAAZAAAAGQAAAAVAAAAYAAAAAAAAAAAAAAADwAAACADAAAAAAAAAAAAAAEAAACgMgAAVgcAAKr4//8BAAAAf39/AAEAAABkAAAAAAAAABQAAABAHwAAAAAAACYAAAAAAAAAwOD//wAAAAAmAAAAZAAAABYAAABMAAAAAAAAAAAAAAAEAAAAAAAAAAEAAADu7OEKAAAAACgAAAAoAAAAZAAAAGQAAAAAAAAAzMzMAAAAAABQAAAAUAAAAGQAAABkAAAAAAAAABcAAAAUAAAAAAAAAAAAAAD/fwAA/38AAAAAAAAJAAAABAAAABOkAAAeAAAAaAAAAAAAAAAAAAAAAAAAAAAAAAAAAAAAECcAABAnAAAAAAAAAAAAAAAAAAAAAAAAAAAAAAAAAAAAAAAAAAAAABQAAAAAAAAAwMD/AAAAAABkAAAAMgAAAAAAAABkAAAAAAAAAH9/fwAKAAAAIgAAABgAAAAAAAAAAAAAAAAAAAAAAAAAAAAAAAAAAAAkAAAAJAAAAAAAAAAHAAAAAAAAAAAAAAAAAAAAAAAAAAAAAAAAAAAAf39/ACUAAABYAAAAAAAAAAAAAAAAAAAAAAAAAAAAAAAAAAAAAAAAAAAAAAAAAAAAAAAAAAAAAAA/AAAAAAAAAKCGAQAAAAAAAAAAAAAAAAAMAAAAAQAAAAAAAAAAAAAAAAAAAB8AAABUAAAAT4G9Bf///wEAAAAAAAAAAAAAAAAAAAAAAAAAAAAAAAAAAAAAAAAAAAAAAAJ/f38A7uzhA8zMzADAwP8Af39/AAAAAAAAAAAAAAAAAAAAAAAAAAAAIQAAABgAAAAUAAAAAAAAADQDAABAOAAAMCoAABAAAAAmAAAACAAAAAEgAAAAAAAA"/>
               </a:ext>
             </a:extLst>
           </p:cNvSpPr>
@@ -13177,8 +12928,8 @@
         </p:nvSpPr>
         <p:spPr>
           <a:xfrm>
-            <a:off x="457200" y="1600200"/>
-            <a:ext cx="8229600" cy="4940300"/>
+            <a:off x="0" y="520700"/>
+            <a:ext cx="9144000" cy="6337300"/>
           </a:xfrm>
         </p:spPr>
         <p:txBody>
@@ -13194,13 +12945,13 @@
                 <a:spcPct val="80000"/>
               </a:lnSpc>
               <a:spcBef>
-                <a:spcPts val="535"/>
+                <a:spcPts val="360"/>
               </a:spcBef>
               <a:buNone/>
-              <a:defRPr lang="fr-fr" sz="2240" cap="none"/>
-            </a:pPr>
-            <a:r>
-              <a:t># Creating the MCMC object</a:t>
+              <a:defRPr lang="fr-fr" sz="1505" cap="none"/>
+            </a:pPr>
+            <a:r>
+              <a:t># Get a hang on the model (any node will do)</a:t>
             </a:r>
           </a:p>
           <a:p>
@@ -13209,13 +12960,13 @@
                 <a:spcPct val="80000"/>
               </a:lnSpc>
               <a:spcBef>
-                <a:spcPts val="535"/>
+                <a:spcPts val="360"/>
               </a:spcBef>
               <a:buNone/>
-              <a:defRPr lang="fr-fr" sz="2240" cap="none"/>
-            </a:pPr>
-            <a:r>
-              <a:t>mymcmc = mcmc(mymodel, monitors, moves, moveschedule="random", nruns=2)</a:t>
+              <a:defRPr lang="fr-fr" sz="1505" cap="none"/>
+            </a:pPr>
+            <a:r>
+              <a:t>mymodel = model(A)</a:t>
             </a:r>
           </a:p>
           <a:p>
@@ -13224,10 +12975,10 @@
                 <a:spcPct val="80000"/>
               </a:lnSpc>
               <a:spcBef>
-                <a:spcPts val="535"/>
+                <a:spcPts val="360"/>
               </a:spcBef>
               <a:buNone/>
-              <a:defRPr lang="fr-fr" sz="2240" cap="none"/>
+              <a:defRPr lang="fr-fr" sz="1505" cap="none"/>
             </a:pPr>
           </a:p>
           <a:p>
@@ -13236,13 +12987,13 @@
                 <a:spcPct val="80000"/>
               </a:lnSpc>
               <a:spcBef>
-                <a:spcPts val="535"/>
+                <a:spcPts val="360"/>
               </a:spcBef>
               <a:buNone/>
-              <a:defRPr lang="fr-fr" sz="2240" cap="none"/>
-            </a:pPr>
-            <a:r>
-              <a:t># Alternatively we could create a MCMCMC object</a:t>
+              <a:defRPr lang="fr-fr" sz="1505" cap="none"/>
+            </a:pPr>
+            <a:r>
+              <a:t># Moves</a:t>
             </a:r>
           </a:p>
           <a:p>
@@ -13251,13 +13002,13 @@
                 <a:spcPct val="80000"/>
               </a:lnSpc>
               <a:spcBef>
-                <a:spcPts val="535"/>
+                <a:spcPts val="360"/>
               </a:spcBef>
               <a:buNone/>
-              <a:defRPr lang="fr-fr" sz="2240" cap="none"/>
-            </a:pPr>
-            <a:r>
-              <a:t>#or mymcmc = mcmcmc(mymodel, monitors, moves, moveschedule="random", nchains=4, nruns=1)</a:t>
+              <a:defRPr lang="fr-fr" sz="1505" cap="none"/>
+            </a:pPr>
+            <a:r>
+              <a:t>moveIndex = 0</a:t>
             </a:r>
           </a:p>
           <a:p>
@@ -13266,11 +13017,14 @@
                 <a:spcPct val="80000"/>
               </a:lnSpc>
               <a:spcBef>
-                <a:spcPts val="535"/>
+                <a:spcPts val="360"/>
               </a:spcBef>
               <a:buNone/>
-              <a:defRPr lang="fr-fr" sz="2240" cap="none"/>
-            </a:pPr>
+              <a:defRPr lang="fr-fr" sz="1505" cap="none"/>
+            </a:pPr>
+            <a:r>
+              <a:t>moves[moveIndex++] = mvSlice(A)</a:t>
+            </a:r>
           </a:p>
           <a:p>
             <a:pPr>
@@ -13278,13 +13032,13 @@
                 <a:spcPct val="80000"/>
               </a:lnSpc>
               <a:spcBef>
-                <a:spcPts val="535"/>
+                <a:spcPts val="360"/>
               </a:spcBef>
               <a:buNone/>
-              <a:defRPr lang="fr-fr" sz="2240" cap="none"/>
-            </a:pPr>
-            <a:r>
-              <a:t># Running the analysis: first some burnin...</a:t>
+              <a:defRPr lang="fr-fr" sz="1505" cap="none"/>
+            </a:pPr>
+            <a:r>
+              <a:t>moves[moveIndex++] = mvSlice(lalpha)</a:t>
             </a:r>
           </a:p>
           <a:p>
@@ -13293,13 +13047,13 @@
                 <a:spcPct val="80000"/>
               </a:lnSpc>
               <a:spcBef>
-                <a:spcPts val="535"/>
+                <a:spcPts val="360"/>
               </a:spcBef>
               <a:buNone/>
-              <a:defRPr lang="fr-fr" sz="2240" cap="none"/>
-            </a:pPr>
-            <a:r>
-              <a:t>mymcmc.burnin(generations=10000,200)</a:t>
+              <a:defRPr lang="fr-fr" sz="1505" cap="none"/>
+            </a:pPr>
+            <a:r>
+              <a:t>moves[moveIndex++] = mvSlide(A)</a:t>
             </a:r>
           </a:p>
           <a:p>
@@ -13308,11 +13062,14 @@
                 <a:spcPct val="80000"/>
               </a:lnSpc>
               <a:spcBef>
-                <a:spcPts val="535"/>
+                <a:spcPts val="360"/>
               </a:spcBef>
               <a:buNone/>
-              <a:defRPr lang="fr-fr" sz="2240" cap="none"/>
-            </a:pPr>
+              <a:defRPr lang="fr-fr" sz="1505" cap="none"/>
+            </a:pPr>
+            <a:r>
+              <a:t>moves[moveIndex++] = mvSlide(lalpha)</a:t>
+            </a:r>
           </a:p>
           <a:p>
             <a:pPr>
@@ -13320,13 +13077,13 @@
                 <a:spcPct val="80000"/>
               </a:lnSpc>
               <a:spcBef>
-                <a:spcPts val="535"/>
+                <a:spcPts val="360"/>
               </a:spcBef>
               <a:buNone/>
-              <a:defRPr lang="fr-fr" sz="2240" cap="none"/>
-            </a:pPr>
-            <a:r>
-              <a:t># Then the real thing</a:t>
+              <a:defRPr lang="fr-fr" sz="1505" cap="none"/>
+            </a:pPr>
+            <a:r>
+              <a:t>moves[moveIndex++] = mvScale(A)</a:t>
             </a:r>
           </a:p>
           <a:p>
@@ -13335,14 +13092,11 @@
                 <a:spcPct val="80000"/>
               </a:lnSpc>
               <a:spcBef>
-                <a:spcPts val="535"/>
+                <a:spcPts val="360"/>
               </a:spcBef>
               <a:buNone/>
-              <a:defRPr lang="fr-fr" sz="2240" cap="none"/>
-            </a:pPr>
-            <a:r>
-              <a:t>mymcmc.run(stopping_rules)</a:t>
-            </a:r>
+              <a:defRPr lang="fr-fr" sz="1505" cap="none"/>
+            </a:pPr>
           </a:p>
           <a:p>
             <a:pPr>
@@ -13350,11 +13104,14 @@
                 <a:spcPct val="80000"/>
               </a:lnSpc>
               <a:spcBef>
-                <a:spcPts val="535"/>
+                <a:spcPts val="360"/>
               </a:spcBef>
               <a:buNone/>
-              <a:defRPr lang="fr-fr" sz="2240" cap="none"/>
-            </a:pPr>
+              <a:defRPr lang="fr-fr" sz="1505" cap="none"/>
+            </a:pPr>
+            <a:r>
+              <a:t># Some monitors to see how the MCMC is going</a:t>
+            </a:r>
           </a:p>
           <a:p>
             <a:pPr>
@@ -13362,11 +13119,161 @@
                 <a:spcPct val="80000"/>
               </a:lnSpc>
               <a:spcBef>
-                <a:spcPts val="535"/>
+                <a:spcPts val="360"/>
               </a:spcBef>
               <a:buNone/>
-              <a:defRPr lang="fr-fr" sz="2240" cap="none"/>
-            </a:pPr>
+              <a:defRPr lang="fr-fr" sz="1505" cap="none"/>
+            </a:pPr>
+            <a:r>
+              <a:t>myOutputFile = "boars.log"</a:t>
+            </a:r>
+          </a:p>
+          <a:p>
+            <a:pPr>
+              <a:lnSpc>
+                <a:spcPct val="80000"/>
+              </a:lnSpc>
+              <a:spcBef>
+                <a:spcPts val="360"/>
+              </a:spcBef>
+              <a:buNone/>
+              <a:defRPr lang="fr-fr" sz="1505" cap="none"/>
+            </a:pPr>
+            <a:r>
+              <a:t>monitors[1] = mnModel(filename=myOutputFile, printgen=10, separator=" ")</a:t>
+            </a:r>
+          </a:p>
+          <a:p>
+            <a:pPr>
+              <a:lnSpc>
+                <a:spcPct val="80000"/>
+              </a:lnSpc>
+              <a:spcBef>
+                <a:spcPts val="360"/>
+              </a:spcBef>
+              <a:buNone/>
+              <a:defRPr lang="fr-fr" sz="1505" cap="none"/>
+            </a:pPr>
+            <a:r>
+              <a:t>monitors[2] = mnScreen(printgen=10, A, lalpha)</a:t>
+            </a:r>
+          </a:p>
+          <a:p>
+            <a:pPr>
+              <a:lnSpc>
+                <a:spcPct val="80000"/>
+              </a:lnSpc>
+              <a:spcBef>
+                <a:spcPts val="360"/>
+              </a:spcBef>
+              <a:buNone/>
+              <a:defRPr lang="fr-fr" sz="1505" cap="none"/>
+            </a:pPr>
+          </a:p>
+          <a:p>
+            <a:pPr>
+              <a:lnSpc>
+                <a:spcPct val="80000"/>
+              </a:lnSpc>
+              <a:spcBef>
+                <a:spcPts val="360"/>
+              </a:spcBef>
+              <a:buNone/>
+              <a:defRPr lang="fr-fr" sz="1505" cap="none"/>
+            </a:pPr>
+            <a:r>
+              <a:t># Automatic stopping rules when convergence has occurred or when too much time has passed </a:t>
+            </a:r>
+          </a:p>
+          <a:p>
+            <a:pPr>
+              <a:lnSpc>
+                <a:spcPct val="80000"/>
+              </a:lnSpc>
+              <a:spcBef>
+                <a:spcPts val="360"/>
+              </a:spcBef>
+              <a:buNone/>
+              <a:defRPr lang="fr-fr" sz="1505" cap="none"/>
+            </a:pPr>
+            <a:r>
+              <a:t>stopping_rules[1] = srMaxIteration(200000)</a:t>
+            </a:r>
+          </a:p>
+          <a:p>
+            <a:pPr>
+              <a:lnSpc>
+                <a:spcPct val="80000"/>
+              </a:lnSpc>
+              <a:spcBef>
+                <a:spcPts val="360"/>
+              </a:spcBef>
+              <a:buNone/>
+              <a:defRPr lang="fr-fr" sz="1505" cap="none"/>
+            </a:pPr>
+            <a:r>
+              <a:t>stopping_rules[2] = srMaxTime(15,"hours")</a:t>
+            </a:r>
+          </a:p>
+          <a:p>
+            <a:pPr>
+              <a:lnSpc>
+                <a:spcPct val="80000"/>
+              </a:lnSpc>
+              <a:spcBef>
+                <a:spcPts val="360"/>
+              </a:spcBef>
+              <a:buNone/>
+              <a:defRPr lang="fr-fr" sz="1505" cap="none"/>
+            </a:pPr>
+            <a:r>
+              <a:t>stopping_rules[3] = srMinESS(50,myOutputFile,10000)</a:t>
+            </a:r>
+          </a:p>
+          <a:p>
+            <a:pPr>
+              <a:lnSpc>
+                <a:spcPct val="80000"/>
+              </a:lnSpc>
+              <a:spcBef>
+                <a:spcPts val="360"/>
+              </a:spcBef>
+              <a:buNone/>
+              <a:defRPr lang="fr-fr" sz="1505" cap="none"/>
+            </a:pPr>
+            <a:r>
+              <a:t>stopping_rules[4] = srGelmanRubin(1.01,myOutputFile,10000)</a:t>
+            </a:r>
+          </a:p>
+          <a:p>
+            <a:pPr>
+              <a:lnSpc>
+                <a:spcPct val="80000"/>
+              </a:lnSpc>
+              <a:spcBef>
+                <a:spcPts val="360"/>
+              </a:spcBef>
+              <a:buNone/>
+              <a:defRPr lang="fr-fr" sz="1505" cap="none"/>
+            </a:pPr>
+            <a:r>
+              <a:t>stopping_rules[5] = srGeweke(prob=0.001, file=myOutputFile,freq=10000)</a:t>
+            </a:r>
+          </a:p>
+          <a:p>
+            <a:pPr>
+              <a:lnSpc>
+                <a:spcPct val="80000"/>
+              </a:lnSpc>
+              <a:spcBef>
+                <a:spcPts val="360"/>
+              </a:spcBef>
+              <a:buNone/>
+              <a:defRPr lang="fr-fr" sz="1505" cap="none"/>
+            </a:pPr>
+            <a:r>
+              <a:t>stopping_rules[6] = srStationarity(prob=0.01, file=myOutputFile,freq=10000)</a:t>
+            </a:r>
           </a:p>
         </p:txBody>
       </p:sp>
@@ -13409,7 +13316,278 @@
             <a:spLocks noGrp="1" noChangeArrowheads="1"/>
             <a:extLst>
               <a:ext uri="smNativeData">
-                <pr:smNativeData xmlns:pr="smNativeData" xmlns="smNativeData" val="SMDATA_15_iunWYhMAAAAlAAAAZAAAAA0AAAAAkAAAAEgAAACQAAAASAAAAAAAAAABAAAAAAAAAAEAAABQAAAAAAAAAAAA4D8AAAAAAADgPwAAAAAAAOA/AAAAAAAA4D8AAAAAAADgPwAAAAAAAOA/AAAAAAAA4D8AAAAAAADgPwAAAAAAAOA/AAAAAAAA4D8CAAAAjAAAAAAAAAAAAAAAT4G9DP///wgAAAAAAAAAAAAAAAAAAAAAAAAAAAAAAAAAAAAAZAAAAAEAAABAAAAAAAAAAAAAAAAAAAAAAAAAAAAAAAAAAAAAAAAAAAAAAAAAAAAAAAAAAAAAAAAAAAAAAAAAAAAAAAAAAAAAAAAAAAAAAAAAAAAAAAAAAAAAAAAAAAAAFAAAADwAAAAAAAAAAAAAAAAAAAkUAAAAAQAAABQAAAAUAAAAFAAAAAEAAAAAAAAAZAAAAGQAAAAAAAAAZAAAAGQAAAAVAAAAYAAAAAAAAAAAAAAADwAAACADAAAAAAAAAAAAAAEAAACgMgAAVgcAAKr4//8BAAAAf39/AAEAAABkAAAAAAAAABQAAABAHwAAAAAAACYAAAAAAAAAwOD//wAAAAAmAAAAZAAAABYAAABMAAAAAAAAAAAAAAAEAAAAAAAAAAEAAADu7OEKAAAAACgAAAAoAAAAZAAAAGQAAAAAAAAAzMzMAAAAAABQAAAAUAAAAGQAAABkAAAAAAAAABcAAAAUAAAAAAAAAAAAAAD/fwAA/38AAAAAAAAJAAAABAAAAAAAAAEeAAAAaAAAAAAAAAAAAAAAAAAAAAAAAAAAAAAAECcAABAnAAAAAAAAAAAAAAAAAAAAAAAAAAAAAAAAAAAAAAAAAAAAABQAAAAAAAAAwMD/AAAAAABkAAAAMgAAAAAAAABkAAAAAAAAAH9/fwAKAAAAIgAAABgAAAAAAAAAAAAAAAAAAAAAAAAAAAAAAAAAAAAkAAAAJAAAAAAAAAAHAAAAAAAAAAAAAAAAAAAAAAAAAAAAAAAAAAAAf39/ACUAAABYAAAAAAAAAAAAAAAAAAAAAAAAAAAAAAAAAAAAAAAAAAAAAAAAAAAAAAAAAAAAAAA/AAAAAAAAAKCGAQAAAAAAAAAAAAAAAAAMAAAAAQAAAAAAAAAAAAAAAAAAAB8AAABUAAAAT4G9Bf///wEAAAAAAAAAAAAAAAAAAAAAAAAAAAAAAAAAAAAAAAAAAAAAAAJ/f38A7uzhA8zMzADAwP8Af39/AAAAAAAAAAAAAAAAAAAAAAAAAAAAIQAAABgAAAAUAAAA0AIAAAAAAABwNQAACAcAABAAAAAmAAAACAAAAAEAAAAAAAAA"/>
+                <pr:smNativeData xmlns:pr="smNativeData" xmlns="smNativeData" val="SMDATA_15_0rbXYhMAAAAlAAAAZAAAAA0AAAAAkAAAAEgAAACQAAAASAAAAAAAAAABAAAAAAAAAAEAAABQAAAAAAAAAAAA4D8AAAAAAADgPwAAAAAAAOA/AAAAAAAA4D8AAAAAAADgPwAAAAAAAOA/AAAAAAAA4D8AAAAAAADgPwAAAAAAAOA/AAAAAAAA4D8CAAAAjAAAAAAAAAAAAAAAT4G9DP///wgAAAAAAAAAAAAAAAAAAAAAAAAAAAAAAAAAAAAAZAAAAAEAAABAAAAAAAAAAAAAAAAAAAAAAAAAAAAAAAAAAAAAAAAAAAAAAAAAAAAAAAAAAAAAAAAAAAAAAAAAAAAAAAAAAAAAAAAAAAAAAAAAAAAAAAAAAAAAAAAAAAAAFAAAADwAAAAAAAAAAAAAAAAAAAkUAAAAAQAAABQAAAAUAAAAFAAAAAEAAAAAAAAAZAAAAGQAAAAAAAAAZAAAAGQAAAAVAAAAYAAAAAAAAAAAAAAADwAAACADAAAAAAAAAAAAAAEAAACgMgAAVgcAAKr4//8BAAAAf39/AAEAAABkAAAAAAAAABQAAABAHwAAAAAAACYAAAAAAAAAwOD//wAAAAAmAAAAZAAAABYAAABMAAAAAAAAAAAAAAAEAAAAAAAAAAEAAADu7OEKAAAAACgAAAAoAAAAZAAAAGQAAAAAAAAAzMzMAAAAAABQAAAAUAAAAGQAAABkAAAAAAAAABcAAAAUAAAAAAAAAAAAAAD/fwAA/38AAAAAAAAJAAAABAAAAAAAAAAeAAAAaAAAAAAAAAAAAAAAAAAAAAAAAAAAAAAAECcAABAnAAAAAAAAAAAAAAAAAAAAAAAAAAAAAAAAAAAAAAAAAAAAABQAAAAAAAAAwMD/AAAAAABkAAAAMgAAAAAAAABkAAAAAAAAAH9/fwAKAAAAIgAAABgAAAAAAAAAAAAAAAAAAAAAAAAAAAAAAAAAAAAkAAAAJAAAAAAAAAAHAAAAAAAAAAAAAAAAAAAAAAAAAAAAAAAAAAAAf39/ACUAAABYAAAAAAAAAAAAAAAAAAAAAAAAAAAAAAAAAAAAAAAAAAAAAAAAAAAAAAAAAAAAAAA/AAAAAAAAAKCGAQAAAAAAAAAAAAAAAAAMAAAAAQAAAAAAAAAAAAAAAAAAAB8AAABUAAAAT4G9Bf///wEAAAAAAAAAAAAAAAAAAAAAAAAAAAAAAAAAAAAAAAAAAAAAAAJ/f38A7uzhA8zMzADAwP8Af39/AAAAAAAAAAAAAAAAAAAAAAAAAAAAIQAAABgAAAAUAAAA0AIAALEBAABwNQAAuQgAABAAAAAmAAAACAAAAAAAAAAAAAAA"/>
+              </a:ext>
+            </a:extLst>
+          </p:cNvSpPr>
+          <p:nvPr>
+            <p:ph type="title"/>
+          </p:nvPr>
+        </p:nvSpPr>
+        <p:spPr/>
+        <p:txBody>
+          <a:bodyPr/>
+          <a:lstStyle/>
+          <a:p>
+            <a:pPr>
+              <a:defRPr lang="fr-fr"/>
+            </a:pPr>
+            <a:r>
+              <a:t>Performing inference</a:t>
+            </a:r>
+          </a:p>
+        </p:txBody>
+      </p:sp>
+      <p:sp>
+        <p:nvSpPr>
+          <p:cNvPr id="3" name="Espace réservé du contenu 2"/>
+          <p:cNvSpPr>
+            <a:spLocks noGrp="1" noChangeArrowheads="1"/>
+            <a:extLst>
+              <a:ext uri="smNativeData">
+                <pr:smNativeData xmlns:pr="smNativeData" xmlns="smNativeData" val="SMDATA_15_0rbXYhMAAAAlAAAAZAAAAA0AAAAAkAAAAEgAAACQAAAASAAAAAAAAAAAAAAAAAAAAAEAAABQAAAAAAAAAAAA4D8AAAAAAADgPwAAAAAAAOA/AAAAAAAA4D8AAAAAAADgPwAAAAAAAOA/AAAAAAAA4D8AAAAAAADgPwAAAAAAAOA/AAAAAAAA4D8CAAAAjAAAAAAAAAAAAAAAT4G9DP///wgAAAAAAAAAAAAAAAAAAAAAAAAAAAAAAAAAAAAAZAAAAAEAAABAAAAAAAAAAAAAAAAAAAAAAAAAAAAAAAAAAAAAAAAAAAAAAAAAAAAAAAAAAAAAAAAAAAAAAAAAAAAAAAAAAAAAAAAAAAAAAAAAAAAAAAAAAAAAAAAAAAAAFAAAADwAAAAAAAAAAAAAAAAAAAkUAAAAAQAAABQAAAAUAAAAFAAAAAEAAAAAAAAAZAAAAGQAAAAAAAAAZAAAAGQAAAAVAAAAYAAAAAAAAAAAAAAADwAAACADAAAAAAAAAAAAAAEAAACgMgAAVgcAAKr4//8BAAAAf39/AAEAAABkAAAAAAAAABQAAABAHwAAAAAAACYAAAAAAAAAwOD//wAAAAAmAAAAZAAAABYAAABMAAAAAAAAAAAAAAAEAAAAAAAAAAEAAADu7OEKAAAAACgAAAAoAAAAZAAAAGQAAAAAAAAAzMzMAAAAAABQAAAAUAAAAGQAAABkAAAAAAAAABcAAAAUAAAAAAAAAAAAAAD/fwAA/38AAAAAAAAJAAAABAAAAAAAAAAeAAAAaAAAAAAAAAAAAAAAAAAAAAAAAAAAAAAAECcAABAnAAAAAAAAAAAAAAAAAAAAAAAAAAAAAAAAAAAAAAAAAAAAABQAAAAAAAAAwMD/AAAAAABkAAAAMgAAAAAAAABkAAAAAAAAAH9/fwAKAAAAIgAAABgAAAAAAAAAAAAAAAAAAAAAAAAAAAAAAAAAAAAkAAAAJAAAAAAAAAAHAAAAAAAAAAAAAAAAAAAAAAAAAAAAAAAAAAAAf39/ACUAAABYAAAAAAAAAAAAAAAAAAAAAAAAAAAAAAAAAAAAAAAAAAAAAAAAAAAAAAAAAAAAAAA/AAAAAAAAAKCGAQAAAAAAAAAAAAAAAAAMAAAAAQAAAAAAAAAAAAAAAAAAAB8AAABUAAAAT4G9Bf///wEAAAAAAAAAAAAAAAAAAAAAAAAAAAAAAAAAAAAAAAAAAAAAAAJ/f38A7uzhA8zMzADAwP8Af39/AAAAAAAAAAAAAAAAAAAAAAAAAAAAIQAAABgAAAAUAAAA0AIAANgJAABwNQAAPCgAABAAAAAmAAAACAAAAAEgAAAAAAAA"/>
+              </a:ext>
+            </a:extLst>
+          </p:cNvSpPr>
+          <p:nvPr>
+            <p:ph type="body" idx="1"/>
+          </p:nvPr>
+        </p:nvSpPr>
+        <p:spPr>
+          <a:xfrm>
+            <a:off x="457200" y="1600200"/>
+            <a:ext cx="8229600" cy="4940300"/>
+          </a:xfrm>
+        </p:spPr>
+        <p:txBody>
+          <a:bodyPr vert="horz" wrap="square" lIns="91440" tIns="45720" rIns="91440" bIns="45720" numCol="1" spcCol="215900" anchor="t">
+            <a:prstTxWarp prst="textNoShape">
+              <a:avLst/>
+            </a:prstTxWarp>
+          </a:bodyPr>
+          <a:lstStyle/>
+          <a:p>
+            <a:pPr>
+              <a:lnSpc>
+                <a:spcPct val="80000"/>
+              </a:lnSpc>
+              <a:spcBef>
+                <a:spcPts val="535"/>
+              </a:spcBef>
+              <a:buNone/>
+              <a:defRPr lang="fr-fr" sz="2240" cap="none"/>
+            </a:pPr>
+            <a:r>
+              <a:t># Creating the MCMC object</a:t>
+            </a:r>
+          </a:p>
+          <a:p>
+            <a:pPr>
+              <a:lnSpc>
+                <a:spcPct val="80000"/>
+              </a:lnSpc>
+              <a:spcBef>
+                <a:spcPts val="535"/>
+              </a:spcBef>
+              <a:buNone/>
+              <a:defRPr lang="fr-fr" sz="2240" cap="none"/>
+            </a:pPr>
+            <a:r>
+              <a:t>mymcmc = mcmc(mymodel, monitors, moves, moveschedule="random", nruns=2)</a:t>
+            </a:r>
+          </a:p>
+          <a:p>
+            <a:pPr>
+              <a:lnSpc>
+                <a:spcPct val="80000"/>
+              </a:lnSpc>
+              <a:spcBef>
+                <a:spcPts val="535"/>
+              </a:spcBef>
+              <a:buNone/>
+              <a:defRPr lang="fr-fr" sz="2240" cap="none"/>
+            </a:pPr>
+          </a:p>
+          <a:p>
+            <a:pPr>
+              <a:lnSpc>
+                <a:spcPct val="80000"/>
+              </a:lnSpc>
+              <a:spcBef>
+                <a:spcPts val="535"/>
+              </a:spcBef>
+              <a:buNone/>
+              <a:defRPr lang="fr-fr" sz="2240" cap="none"/>
+            </a:pPr>
+            <a:r>
+              <a:t># Alternatively we could create a MCMCMC object</a:t>
+            </a:r>
+          </a:p>
+          <a:p>
+            <a:pPr>
+              <a:lnSpc>
+                <a:spcPct val="80000"/>
+              </a:lnSpc>
+              <a:spcBef>
+                <a:spcPts val="535"/>
+              </a:spcBef>
+              <a:buNone/>
+              <a:defRPr lang="fr-fr" sz="2240" cap="none"/>
+            </a:pPr>
+            <a:r>
+              <a:t>#or mymcmc = mcmcmc(mymodel, monitors, moves, moveschedule="random", nchains=4, nruns=1)</a:t>
+            </a:r>
+          </a:p>
+          <a:p>
+            <a:pPr>
+              <a:lnSpc>
+                <a:spcPct val="80000"/>
+              </a:lnSpc>
+              <a:spcBef>
+                <a:spcPts val="535"/>
+              </a:spcBef>
+              <a:buNone/>
+              <a:defRPr lang="fr-fr" sz="2240" cap="none"/>
+            </a:pPr>
+          </a:p>
+          <a:p>
+            <a:pPr>
+              <a:lnSpc>
+                <a:spcPct val="80000"/>
+              </a:lnSpc>
+              <a:spcBef>
+                <a:spcPts val="535"/>
+              </a:spcBef>
+              <a:buNone/>
+              <a:defRPr lang="fr-fr" sz="2240" cap="none"/>
+            </a:pPr>
+            <a:r>
+              <a:t># Running the analysis: first some burnin...</a:t>
+            </a:r>
+          </a:p>
+          <a:p>
+            <a:pPr>
+              <a:lnSpc>
+                <a:spcPct val="80000"/>
+              </a:lnSpc>
+              <a:spcBef>
+                <a:spcPts val="535"/>
+              </a:spcBef>
+              <a:buNone/>
+              <a:defRPr lang="fr-fr" sz="2240" cap="none"/>
+            </a:pPr>
+            <a:r>
+              <a:t>mymcmc.burnin(generations=10000,200)</a:t>
+            </a:r>
+          </a:p>
+          <a:p>
+            <a:pPr>
+              <a:lnSpc>
+                <a:spcPct val="80000"/>
+              </a:lnSpc>
+              <a:spcBef>
+                <a:spcPts val="535"/>
+              </a:spcBef>
+              <a:buNone/>
+              <a:defRPr lang="fr-fr" sz="2240" cap="none"/>
+            </a:pPr>
+          </a:p>
+          <a:p>
+            <a:pPr>
+              <a:lnSpc>
+                <a:spcPct val="80000"/>
+              </a:lnSpc>
+              <a:spcBef>
+                <a:spcPts val="535"/>
+              </a:spcBef>
+              <a:buNone/>
+              <a:defRPr lang="fr-fr" sz="2240" cap="none"/>
+            </a:pPr>
+            <a:r>
+              <a:t># Then the real thing</a:t>
+            </a:r>
+          </a:p>
+          <a:p>
+            <a:pPr>
+              <a:lnSpc>
+                <a:spcPct val="80000"/>
+              </a:lnSpc>
+              <a:spcBef>
+                <a:spcPts val="535"/>
+              </a:spcBef>
+              <a:buNone/>
+              <a:defRPr lang="fr-fr" sz="2240" cap="none"/>
+            </a:pPr>
+            <a:r>
+              <a:t>mymcmc.run(stopping_rules)</a:t>
+            </a:r>
+          </a:p>
+          <a:p>
+            <a:pPr>
+              <a:lnSpc>
+                <a:spcPct val="80000"/>
+              </a:lnSpc>
+              <a:spcBef>
+                <a:spcPts val="535"/>
+              </a:spcBef>
+              <a:buNone/>
+              <a:defRPr lang="fr-fr" sz="2240" cap="none"/>
+            </a:pPr>
+          </a:p>
+          <a:p>
+            <a:pPr>
+              <a:lnSpc>
+                <a:spcPct val="80000"/>
+              </a:lnSpc>
+              <a:spcBef>
+                <a:spcPts val="535"/>
+              </a:spcBef>
+              <a:buNone/>
+              <a:defRPr lang="fr-fr" sz="2240" cap="none"/>
+            </a:pPr>
+          </a:p>
+        </p:txBody>
+      </p:sp>
+    </p:spTree>
+  </p:cSld>
+  <p:clrMapOvr>
+    <a:masterClrMapping/>
+  </p:clrMapOvr>
+  <p:timing>
+    <p:tnLst>
+      <p:par>
+        <p:cTn id="1" dur="indefinite" restart="never" nodeType="tmRoot"/>
+      </p:par>
+    </p:tnLst>
+  </p:timing>
+</p:sld>
+</file>
+
+<file path=ppt/slides/slide37.xml><?xml version="1.0" encoding="utf-8"?>
+<p:sld xmlns:p="http://schemas.openxmlformats.org/presentationml/2006/main" xmlns:mc="http://schemas.openxmlformats.org/markup-compatibility/2006" xmlns:p14="http://schemas.microsoft.com/office/powerpoint/2010/main" xmlns:p15="http://schemas.microsoft.com/office/powerpoint/2012/main" xmlns:r="http://schemas.openxmlformats.org/officeDocument/2006/relationships" xmlns:a="http://schemas.openxmlformats.org/drawingml/2006/main" mc:Ignorable="p14" show="0">
+  <p:cSld>
+    <p:spTree>
+      <p:nvGrpSpPr>
+        <p:cNvPr id="1" name=""/>
+        <p:cNvGrpSpPr/>
+        <p:nvPr/>
+      </p:nvGrpSpPr>
+      <p:grpSpPr>
+        <a:xfrm>
+          <a:off x="0" y="0"/>
+          <a:ext cx="0" cy="0"/>
+          <a:chOff x="0" y="0"/>
+          <a:chExt cx="0" cy="0"/>
+        </a:xfrm>
+      </p:grpSpPr>
+      <p:sp>
+        <p:nvSpPr>
+          <p:cNvPr id="2" name="Titre 1"/>
+          <p:cNvSpPr>
+            <a:spLocks noGrp="1" noChangeArrowheads="1"/>
+            <a:extLst>
+              <a:ext uri="smNativeData">
+                <pr:smNativeData xmlns:pr="smNativeData" xmlns="smNativeData" val="SMDATA_15_0rbXYhMAAAAlAAAAZAAAAA0AAAAAkAAAAEgAAACQAAAASAAAAAAAAAABAAAAAAAAAAEAAABQAAAAAAAAAAAA4D8AAAAAAADgPwAAAAAAAOA/AAAAAAAA4D8AAAAAAADgPwAAAAAAAOA/AAAAAAAA4D8AAAAAAADgPwAAAAAAAOA/AAAAAAAA4D8CAAAAjAAAAAAAAAAAAAAAT4G9DP///wgAAAAAAAAAAAAAAAAAAAAAAAAAAAAAAAAAAAAAZAAAAAEAAABAAAAAAAAAAAAAAAAAAAAAAAAAAAAAAAAAAAAAAAAAAAAAAAAAAAAAAAAAAAAAAAAAAAAAAAAAAAAAAAAAAAAAAAAAAAAAAAAAAAAAAAAAAAAAAAAAAAAAFAAAADwAAAAAAAAAAAAAAAAAAAkUAAAAAQAAABQAAAAUAAAAFAAAAAEAAAAAAAAAZAAAAGQAAAAAAAAAZAAAAGQAAAAVAAAAYAAAAAAAAAAAAAAADwAAACADAAAAAAAAAAAAAAEAAACgMgAAVgcAAKr4//8BAAAAf39/AAEAAABkAAAAAAAAABQAAABAHwAAAAAAACYAAAAAAAAAwOD//wAAAAAmAAAAZAAAABYAAABMAAAAAAAAAAAAAAAEAAAAAAAAAAEAAADu7OEKAAAAACgAAAAoAAAAZAAAAGQAAAAAAAAAzMzMAAAAAABQAAAAUAAAAGQAAABkAAAAAAAAABcAAAAUAAAAAAAAAAAAAAD/fwAA/38AAAAAAAAJAAAABAAAAAAAAAEeAAAAaAAAAAAAAAAAAAAAAAAAAAAAAAAAAAAAECcAABAnAAAAAAAAAAAAAAAAAAAAAAAAAAAAAAAAAAAAAAAAAAAAABQAAAAAAAAAwMD/AAAAAABkAAAAMgAAAAAAAABkAAAAAAAAAH9/fwAKAAAAIgAAABgAAAAAAAAAAAAAAAAAAAAAAAAAAAAAAAAAAAAkAAAAJAAAAAAAAAAHAAAAAAAAAAAAAAAAAAAAAAAAAAAAAAAAAAAAf39/ACUAAABYAAAAAAAAAAAAAAAAAAAAAAAAAAAAAAAAAAAAAAAAAAAAAAAAAAAAAAAAAAAAAAA/AAAAAAAAAKCGAQAAAAAAAAAAAAAAAAAMAAAAAQAAAAAAAAAAAAAAAAAAAB8AAABUAAAAT4G9Bf///wEAAAAAAAAAAAAAAAAAAAAAAAAAAAAAAAAAAAAAAAAAAAAAAAJ/f38A7uzhA8zMzADAwP8Af39/AAAAAAAAAAAAAAAAAAAAAAAAAAAAIQAAABgAAAAUAAAA0AIAAAAAAABwNQAACAcAABAAAAAmAAAACAAAAAEAAAAAAAAA"/>
               </a:ext>
             </a:extLst>
           </p:cNvSpPr>
@@ -13443,7 +13621,7 @@
             <a:picLocks noChangeAspect="1"/>
             <a:extLst>
               <a:ext uri="smNativeData">
-                <pr:smNativeData xmlns:pr="smNativeData" xmlns="smNativeData" val="SMDATA_17_iunWYhMAAAAlAAAAEQAAAC0AAAAAkAAAAEgAAACQAAAASAAAAAAAAAAAAAAAAAAAAAEAAABQAAAAAAAAAAAA4D8AAAAAAADgPwAAAAAAAOA/AAAAAAAA4D8AAAAAAADgPwAAAAAAAOA/AAAAAAAA4D8AAAAAAADgPwAAAAAAAOA/AAAAAAAA4D8CAAAAjAAAAAAAAAAAAAAAT4G9DP///wgAAAAAAAAAAAAAAAAAAAAAAAAAAAAAAAAAAAAAZAAAAAEAAABAAAAAAAAAAAAAAAAAAAAAAAAAAAAAAAAAAAAAAAAAAAAAAAAAAAAAAAAAAAAAAAAAAAAAAAAAAAAAAAAAAAAAAAAAAAAAAAAAAAAAAAAAAAAAAAAAAAAAFAAAADwAAAAAAAAAAAAAAAAAAAkUAAAAAQAAABQAAAAUAAAAFAAAAAEAAAAAAAAAZAAAAGQAAAAAAAAAZAAAAGQAAAAVAAAAYAAAAAAAAAAAAAAADwAAACADAAAAAAAAAAAAAAEAAACgMgAAVgcAAKr4//8BAAAAf39/AAEAAABkAAAAAAAAABQAAABAHwAAAAAAACYAAAAAAAAAwOD//wAAAAAmAAAAZAAAABYAAABMAAAAAAAAAAAAAAAEAAAAAAAAAAEAAADu7OEKAAAAACgAAAAoAAAAZAAAAGQAAAAAAAAAzMzMAAAAAABQAAAAUAAAAGQAAABkAAAAAAAAAAcAAAA4AAAAAAAAAAAAAAAAAAAA////AAAAAAAAAAAAAAAAAAAAAAAAAAAAAAAAAAAAAABkAAAAZAAAAAAAAAAjAAAABAAAAGQAAAAXAAAAFAAAAAAAAAAAAAAA/38AAP9/AAAAAAAACQAAAAQAAAAAAAAAHgAAAGgAAAAAAAAAAAAAAAAAAAAAAAAAAAAAABAnAAAQJwAAAAAAAAAAAAAAAAAAAAAAAAAAAAAAAAAAAAAAAAAAAAAUAAAAAAAAAMDA/wAAAAAAZAAAADIAAAAAAAAAZAAAAAAAAAB/f38ACgAAACIAAAAYAAAAAAAAAAAAAAAAAAAAAAAAAAAAAAAAAAAAJAAAACQAAAAAAAAABwAAAAAAAAAAAAAAAAAAAAAAAAAAAAAAAAAAAH9/fwAlAAAAWAAAAAAAAAAAAAAAAAAAAAAAAAAAAAAAAAAAAAAAAAAAAAAAAAAAAAAAAAAAAAAAPwAAAAAAAACghgEAAAAAAAAAAAAAAAAADAAAAAEAAAAAAAAAAAAAAAAAAAAfAAAAVAAAAE+BvQX///8BAAAAAAAAAAAAAAAAAAAAAAAAAAAAAAAAAAAAAAAAAAAAAAACf39/AO7s4QPMzMwAwMD/AH9/fwAAAAAAAAAAAAAAAAD///8AAAAAACEAAAAYAAAAFAAAAAAAAACSBgAA6BUAAAEVAAAQAAAAJgAAAAgAAAD//////////w=="/>
+                <pr:smNativeData xmlns:pr="smNativeData" xmlns="smNativeData" val="SMDATA_17_0rbXYhMAAAAlAAAAEQAAAC0AAAAAkAAAAEgAAACQAAAASAAAAAAAAAAAAAAAAAAAAAEAAABQAAAAAAAAAAAA4D8AAAAAAADgPwAAAAAAAOA/AAAAAAAA4D8AAAAAAADgPwAAAAAAAOA/AAAAAAAA4D8AAAAAAADgPwAAAAAAAOA/AAAAAAAA4D8CAAAAjAAAAAAAAAAAAAAAT4G9DP///wgAAAAAAAAAAAAAAAAAAAAAAAAAAAAAAAAAAAAAZAAAAAEAAABAAAAAAAAAAAAAAAAAAAAAAAAAAAAAAAAAAAAAAAAAAAAAAAAAAAAAAAAAAAAAAAAAAAAAAAAAAAAAAAAAAAAAAAAAAAAAAAAAAAAAAAAAAAAAAAAAAAAAFAAAADwAAAAAAAAAAAAAAAAAAAkUAAAAAQAAABQAAAAUAAAAFAAAAAEAAAAAAAAAZAAAAGQAAAAAAAAAZAAAAGQAAAAVAAAAYAAAAAAAAAAAAAAADwAAACADAAAAAAAAAAAAAAEAAACgMgAAVgcAAKr4//8BAAAAf39/AAEAAABkAAAAAAAAABQAAABAHwAAAAAAACYAAAAAAAAAwOD//wAAAAAmAAAAZAAAABYAAABMAAAAAAAAAAAAAAAEAAAAAAAAAAEAAADu7OEKAAAAACgAAAAoAAAAZAAAAGQAAAAAAAAAzMzMAAAAAABQAAAAUAAAAGQAAABkAAAAAAAAAAcAAAA4AAAAAAAAAAAAAAAAAAAA////AAAAAAAAAAAAAAAAAAAAAAAAAAAAAAAAAAAAAABkAAAAZAAAAAAAAAAjAAAABAAAAGQAAAAXAAAAFAAAAAAAAAAAAAAA/38AAP9/AAAAAAAACQAAAAQAAAAAAAAAHgAAAGgAAAAAAAAAAAAAAAAAAAAAAAAAAAAAABAnAAAQJwAAAAAAAAAAAAAAAAAAAAAAAAAAAAAAAAAAAAAAAAAAAAAUAAAAAAAAAMDA/wAAAAAAZAAAADIAAAAAAAAAZAAAAAAAAAB/f38ACgAAACIAAAAYAAAAAAAAAAAAAAAAAAAAAAAAAAAAAAAAAAAAJAAAACQAAAAAAAAABwAAAAAAAAAAAAAAAAAAAAAAAAAAAAAAAAAAAH9/fwAlAAAAWAAAAAAAAAAAAAAAAAAAAAAAAAAAAAAAAAAAAAAAAAAAAAAAAAAAAAAAAAAAAAAAPwAAAAAAAACghgEAAAAAAAAAAAAAAAAADAAAAAEAAAAAAAAAAAAAAAAAAAAfAAAAVAAAAE+BvQX///8BAAAAAAAAAAAAAAAAAAAAAAAAAAAAAAAAAAAAAAAAAAAAAAACf39/AO7s4QPMzMwAwMD/AH9/fwAAAAAAAAAAAAAAAAD///8AAAAAACEAAAAYAAAAFAAAAAAAAACSBgAA6BUAAAEVAAAQAAAAJgAAAAgAAAD//////////w=="/>
               </a:ext>
             </a:extLst>
           </p:cNvPicPr>
@@ -13477,7 +13655,7 @@
             <a:picLocks noChangeAspect="1"/>
             <a:extLst>
               <a:ext uri="smNativeData">
-                <pr:smNativeData xmlns:pr="smNativeData" xmlns="smNativeData" val="SMDATA_17_iunWYhMAAAAlAAAAEQAAAC0AAAAAkAAAAEgAAACQAAAASAAAAAAAAAAAAAAAAAAAAAEAAABQAAAAAAAAAAAA4D8AAAAAAADgPwAAAAAAAOA/AAAAAAAA4D8AAAAAAADgPwAAAAAAAOA/AAAAAAAA4D8AAAAAAADgPwAAAAAAAOA/AAAAAAAA4D8CAAAAjAAAAAAAAAAAAAAAT4G9DP///wgAAAAAAAAAAAAAAAAAAAAAAAAAAAAAAAAAAAAAZAAAAAEAAABAAAAAAAAAAAAAAAAAAAAAAAAAAAAAAAAAAAAAAAAAAAAAAAAAAAAAAAAAAAAAAAAAAAAAAAAAAAAAAAAAAAAAAAAAAAAAAAAAAAAAAAAAAAAAAAAAAAAAFAAAADwAAAAAAAAAAAAAAAAAAAkUAAAAAQAAABQAAAAUAAAAFAAAAAEAAAAAAAAAZAAAAGQAAAAAAAAAZAAAAGQAAAAVAAAAYAAAAAAAAAAAAAAADwAAACADAAAAAAAAAAAAAAEAAACgMgAAVgcAAKr4//8BAAAAf39/AAEAAABkAAAAAAAAABQAAABAHwAAAAAAACYAAAAAAAAAwOD//wAAAAAmAAAAZAAAABYAAABMAAAAAAAAAAAAAAAEAAAAAAAAAAEAAADu7OEKAAAAACgAAAAoAAAAZAAAAGQAAAAAAAAAzMzMAAAAAABQAAAAUAAAAGQAAABkAAAAAAAAAAcAAAA4AAAAAAAAAAAAAAAAAAAA////AAAAAAAAAAAAAAAAAAAAAAAAAAAAAAAAAAAAAABkAAAAZAAAAAAAAAAjAAAABAAAAGQAAAAXAAAAFAAAAAAAAAAAAAAA/38AAP9/AAAAAAAACQAAAAQAAAAAAAAAHgAAAGgAAAAAAAAAAAAAAAAAAAAAAAAAAAAAABAnAAAQJwAAAAAAAAAAAAAAAAAAAAAAAAAAAAAAAAAAAAAAAAAAAAAUAAAAAAAAAMDA/wAAAAAAZAAAADIAAAAAAAAAZAAAAAAAAAB/f38ACgAAACIAAAAYAAAAAAAAAAAAAAAAAAAAAAAAAAAAAAAAAAAAJAAAACQAAAAAAAAABwAAAAAAAAAAAAAAAAAAAAAAAAAAAAAAAAAAAH9/fwAlAAAAWAAAAAAAAAAAAAAAAAAAAAAAAAAAAAAAAAAAAAAAAAAAAAAAAAAAAAAAAAAAAAAAPwAAAAAAAACghgEAAAAAAAAAAAAAAAAADAAAAAEAAAAAAAAAAAAAAAAAAAAfAAAAVAAAAE+BvQX///8BAAAAAAAAAAAAAAAAAAAAAAAAAAAAAAAAAAAAAAAAAAAAAAACf39/AO7s4QPMzMwAwMD/AH9/fwAAAAAAAAAAAAAAAAD///8AAAAAACEAAAAYAAAAFAAAAAAAAABcFwAA4BUAAM0lAAAQAAAAJgAAAAgAAAD//////////w=="/>
+                <pr:smNativeData xmlns:pr="smNativeData" xmlns="smNativeData" val="SMDATA_17_0rbXYhMAAAAlAAAAEQAAAC0AAAAAkAAAAEgAAACQAAAASAAAAAAAAAAAAAAAAAAAAAEAAABQAAAAAAAAAAAA4D8AAAAAAADgPwAAAAAAAOA/AAAAAAAA4D8AAAAAAADgPwAAAAAAAOA/AAAAAAAA4D8AAAAAAADgPwAAAAAAAOA/AAAAAAAA4D8CAAAAjAAAAAAAAAAAAAAAT4G9DP///wgAAAAAAAAAAAAAAAAAAAAAAAAAAAAAAAAAAAAAZAAAAAEAAABAAAAAAAAAAAAAAAAAAAAAAAAAAAAAAAAAAAAAAAAAAAAAAAAAAAAAAAAAAAAAAAAAAAAAAAAAAAAAAAAAAAAAAAAAAAAAAAAAAAAAAAAAAAAAAAAAAAAAFAAAADwAAAAAAAAAAAAAAAAAAAkUAAAAAQAAABQAAAAUAAAAFAAAAAEAAAAAAAAAZAAAAGQAAAAAAAAAZAAAAGQAAAAVAAAAYAAAAAAAAAAAAAAADwAAACADAAAAAAAAAAAAAAEAAACgMgAAVgcAAKr4//8BAAAAf39/AAEAAABkAAAAAAAAABQAAABAHwAAAAAAACYAAAAAAAAAwOD//wAAAAAmAAAAZAAAABYAAABMAAAAAAAAAAAAAAAEAAAAAAAAAAEAAADu7OEKAAAAACgAAAAoAAAAZAAAAGQAAAAAAAAAzMzMAAAAAABQAAAAUAAAAGQAAABkAAAAAAAAAAcAAAA4AAAAAAAAAAAAAAAAAAAA////AAAAAAAAAAAAAAAAAAAAAAAAAAAAAAAAAAAAAABkAAAAZAAAAAAAAAAjAAAABAAAAGQAAAAXAAAAFAAAAAAAAAAAAAAA/38AAP9/AAAAAAAACQAAAAQAAAAAAAAAHgAAAGgAAAAAAAAAAAAAAAAAAAAAAAAAAAAAABAnAAAQJwAAAAAAAAAAAAAAAAAAAAAAAAAAAAAAAAAAAAAAAAAAAAAUAAAAAAAAAMDA/wAAAAAAZAAAADIAAAAAAAAAZAAAAAAAAAB/f38ACgAAACIAAAAYAAAAAAAAAAAAAAAAAAAAAAAAAAAAAAAAAAAAJAAAACQAAAAAAAAABwAAAAAAAAAAAAAAAAAAAAAAAAAAAAAAAAAAAH9/fwAlAAAAWAAAAAAAAAAAAAAAAAAAAAAAAAAAAAAAAAAAAAAAAAAAAAAAAAAAAAAAAAAAAAAAPwAAAAAAAACghgEAAAAAAAAAAAAAAAAADAAAAAEAAAAAAAAAAAAAAAAAAAAfAAAAVAAAAE+BvQX///8BAAAAAAAAAAAAAAAAAAAAAAAAAAAAAAAAAAAAAAAAAAAAAAACf39/AO7s4QPMzMwAwMD/AH9/fwAAAAAAAAAAAAAAAAD///8AAAAAACEAAAAYAAAAFAAAAAAAAABcFwAA4BUAAM0lAAAQAAAAJgAAAAgAAAD//////////w=="/>
               </a:ext>
             </a:extLst>
           </p:cNvPicPr>
@@ -13511,7 +13689,7 @@
             <a:picLocks noChangeAspect="1"/>
             <a:extLst>
               <a:ext uri="smNativeData">
-                <pr:smNativeData xmlns:pr="smNativeData" xmlns="smNativeData" val="SMDATA_17_iunWYhMAAAAlAAAAEQAAAC0AAAAAkAAAAEgAAACQAAAASAAAAAAAAAAAAAAAAAAAAAEAAABQAAAAAAAAAAAA4D8AAAAAAADgPwAAAAAAAOA/AAAAAAAA4D8AAAAAAADgPwAAAAAAAOA/AAAAAAAA4D8AAAAAAADgPwAAAAAAAOA/AAAAAAAA4D8CAAAAjAAAAAAAAAAAAAAAT4G9DP///wgAAAAAAAAAAAAAAAAAAAAAAAAAAAAAAAAAAAAAZAAAAAEAAABAAAAAAAAAAAAAAAAAAAAAAAAAAAAAAAAAAAAAAAAAAAAAAAAAAAAAAAAAAAAAAAAAAAAAAAAAAAAAAAAAAAAAAAAAAAAAAAAAAAAAAAAAAAAAAAAAAAAAFAAAADwAAAAAAAAAAAAAAAAAAAkUAAAAAQAAABQAAAAUAAAAFAAAAAEAAAAAAAAAZAAAAGQAAAAAAAAAZAAAAGQAAAAVAAAAYAAAAAAAAAAAAAAADwAAACADAAAAAAAAAAAAAAEAAACgMgAAVgcAAKr4//8BAAAAf39/AAEAAABkAAAAAAAAABQAAABAHwAAAAAAACYAAAAAAAAAwOD//wAAAAAmAAAAZAAAABYAAABMAAAAAAAAAAAAAAAEAAAAAAAAAAEAAADu7OEKAAAAACgAAAAoAAAAZAAAAGQAAAAAAAAAzMzMAAAAAABQAAAAUAAAAGQAAABkAAAAAAAAAAcAAAA4AAAAAAAAAAAAAAAAAAAA////AAAAAAAAAAAAAAAAAAAAAAAAAAAAAAAAAAAAAABkAAAAZAAAAAAAAAAjAAAABAAAAGQAAAAXAAAAFAAAAAAAAAAAAAAA/38AAP9/AAAAAAAACQAAAAQAAAAAAAAAHgAAAGgAAAAAAAAAAAAAAAAAAAAAAAAAAAAAABAnAAAQJwAAAAAAAAAAAAAAAAAAAAAAAAAAAAAAAAAAAAAAAAAAAAAUAAAAAAAAAMDA/wAAAAAAZAAAADIAAAAAAAAAZAAAAAAAAAB/f38ACgAAACIAAAAYAAAAAAAAAAAAAAAAAAAAAAAAAAAAAAAAAAAAJAAAACQAAAAAAAAABwAAAAAAAAAAAAAAAAAAAAAAAAAAAAAAAAAAAH9/fwAlAAAAWAAAAAAAAAAAAAAAAAAAAAAAAAAAAAAAAAAAAAAAAAAAAAAAAAAAAAAAAAAAAAAAPwAAAAAAAACghgEAAAAAAAAAAAAAAAAADAAAAAEAAAAAAAAAAAAAAAAAAAAfAAAAVAAAAE+BvQX///8BAAAAAAAAAAAAAAAAAAAAAAAAAAAAAAAAAAAAAAAAAAAAAAACf39/AO7s4QPMzMwAwMD/AH9/fwAAAAAAAAAAAAAAAAD///8AAAAAACEAAAAYAAAAFAAAAGYXAADTCwAAQDgAAOUiAAAQAAAAJgAAAAgAAAD//////////w=="/>
+                <pr:smNativeData xmlns:pr="smNativeData" xmlns="smNativeData" val="SMDATA_17_0rbXYhMAAAAlAAAAEQAAAC0AAAAAkAAAAEgAAACQAAAASAAAAAAAAAAAAAAAAAAAAAEAAABQAAAAAAAAAAAA4D8AAAAAAADgPwAAAAAAAOA/AAAAAAAA4D8AAAAAAADgPwAAAAAAAOA/AAAAAAAA4D8AAAAAAADgPwAAAAAAAOA/AAAAAAAA4D8CAAAAjAAAAAAAAAAAAAAAT4G9DP///wgAAAAAAAAAAAAAAAAAAAAAAAAAAAAAAAAAAAAAZAAAAAEAAABAAAAAAAAAAAAAAAAAAAAAAAAAAAAAAAAAAAAAAAAAAAAAAAAAAAAAAAAAAAAAAAAAAAAAAAAAAAAAAAAAAAAAAAAAAAAAAAAAAAAAAAAAAAAAAAAAAAAAFAAAADwAAAAAAAAAAAAAAAAAAAkUAAAAAQAAABQAAAAUAAAAFAAAAAEAAAAAAAAAZAAAAGQAAAAAAAAAZAAAAGQAAAAVAAAAYAAAAAAAAAAAAAAADwAAACADAAAAAAAAAAAAAAEAAACgMgAAVgcAAKr4//8BAAAAf39/AAEAAABkAAAAAAAAABQAAABAHwAAAAAAACYAAAAAAAAAwOD//wAAAAAmAAAAZAAAABYAAABMAAAAAAAAAAAAAAAEAAAAAAAAAAEAAADu7OEKAAAAACgAAAAoAAAAZAAAAGQAAAAAAAAAzMzMAAAAAABQAAAAUAAAAGQAAABkAAAAAAAAAAcAAAA4AAAAAAAAAAAAAAAAAAAA////AAAAAAAAAAAAAAAAAAAAAAAAAAAAAAAAAAAAAABkAAAAZAAAAAAAAAAjAAAABAAAAGQAAAAXAAAAFAAAAAAAAAAAAAAA/38AAP9/AAAAAAAACQAAAAQAAAAAAAAAHgAAAGgAAAAAAAAAAAAAAAAAAAAAAAAAAAAAABAnAAAQJwAAAAAAAAAAAAAAAAAAAAAAAAAAAAAAAAAAAAAAAAAAAAAUAAAAAAAAAMDA/wAAAAAAZAAAADIAAAAAAAAAZAAAAAAAAAB/f38ACgAAACIAAAAYAAAAAAAAAAAAAAAAAAAAAAAAAAAAAAAAAAAAJAAAACQAAAAAAAAABwAAAAAAAAAAAAAAAAAAAAAAAAAAAAAAAAAAAH9/fwAlAAAAWAAAAAAAAAAAAAAAAAAAAAAAAAAAAAAAAAAAAAAAAAAAAAAAAAAAAAAAAAAAAAAAPwAAAAAAAACghgEAAAAAAAAAAAAAAAAADAAAAAEAAAAAAAAAAAAAAAAAAAAfAAAAVAAAAE+BvQX///8BAAAAAAAAAAAAAAAAAAAAAAAAAAAAAAAAAAAAAAAAAAAAAAACf39/AO7s4QPMzMwAwMD/AH9/fwAAAAAAAAAAAAAAAAD///8AAAAAACEAAAAYAAAAFAAAAGYXAADTCwAAQDgAAOUiAAAQAAAAJgAAAAgAAAD//////////w=="/>
               </a:ext>
             </a:extLst>
           </p:cNvPicPr>
@@ -13553,106 +13731,6 @@
 </p:sld>
 </file>
 
-<file path=ppt/slides/slide37.xml><?xml version="1.0" encoding="utf-8"?>
-<p:sld xmlns:p="http://schemas.openxmlformats.org/presentationml/2006/main" xmlns:mc="http://schemas.openxmlformats.org/markup-compatibility/2006" xmlns:p14="http://schemas.microsoft.com/office/powerpoint/2010/main" xmlns:p15="http://schemas.microsoft.com/office/powerpoint/2012/main" xmlns:r="http://schemas.openxmlformats.org/officeDocument/2006/relationships" xmlns:a="http://schemas.openxmlformats.org/drawingml/2006/main" mc:Ignorable="p14" show="0">
-  <p:cSld>
-    <p:spTree>
-      <p:nvGrpSpPr>
-        <p:cNvPr id="1" name=""/>
-        <p:cNvGrpSpPr/>
-        <p:nvPr/>
-      </p:nvGrpSpPr>
-      <p:grpSpPr>
-        <a:xfrm>
-          <a:off x="0" y="0"/>
-          <a:ext cx="0" cy="0"/>
-          <a:chOff x="0" y="0"/>
-          <a:chExt cx="0" cy="0"/>
-        </a:xfrm>
-      </p:grpSpPr>
-      <p:sp>
-        <p:nvSpPr>
-          <p:cNvPr id="2" name="Titre 1"/>
-          <p:cNvSpPr>
-            <a:spLocks noGrp="1" noChangeArrowheads="1"/>
-            <a:extLst>
-              <a:ext uri="smNativeData">
-                <pr:smNativeData xmlns:pr="smNativeData" xmlns="smNativeData" val="SMDATA_15_iunWYhMAAAAlAAAAZAAAAA0AAAAAkAAAAEgAAACQAAAASAAAAAAAAAABAAAAAAAAAAEAAABQAAAAAAAAAAAA4D8AAAAAAADgPwAAAAAAAOA/AAAAAAAA4D8AAAAAAADgPwAAAAAAAOA/AAAAAAAA4D8AAAAAAADgPwAAAAAAAOA/AAAAAAAA4D8CAAAAjAAAAAAAAAAAAAAAT4G9DP///wgAAAAAAAAAAAAAAAAAAAAAAAAAAAAAAAAAAAAAZAAAAAEAAABAAAAAAAAAAAAAAAAAAAAAAAAAAAAAAAAAAAAAAAAAAAAAAAAAAAAAAAAAAAAAAAAAAAAAAAAAAAAAAAAAAAAAAAAAAAAAAAAAAAAAAAAAAAAAAAAAAAAAFAAAADwAAAAAAAAAAAAAAAAAAAkUAAAAAQAAABQAAAAUAAAAFAAAAAEAAAAAAAAAZAAAAGQAAAAAAAAAZAAAAGQAAAAVAAAAYAAAAAAAAAAAAAAADwAAACADAAAAAAAAAAAAAAEAAACgMgAAVgcAAKr4//8BAAAAf39/AAEAAABkAAAAAAAAABQAAABAHwAAAAAAACYAAAAAAAAAwOD//wAAAAAmAAAAZAAAABYAAABMAAAAAAAAAAAAAAAEAAAAAAAAAAEAAADu7OEKAAAAACgAAAAoAAAAZAAAAGQAAAAAAAAAzMzMAAAAAABQAAAAUAAAAGQAAABkAAAAAAAAABcAAAAUAAAAAAAAAAAAAAD/fwAA/38AAAAAAAAJAAAABAAAAAAAAAAeAAAAaAAAAAAAAAAAAAAAAAAAAAAAAAAAAAAAECcAABAnAAAAAAAAAAAAAAAAAAAAAAAAAAAAAAAAAAAAAAAAAAAAABQAAAAAAAAAwMD/AAAAAABkAAAAMgAAAAAAAABkAAAAAAAAAH9/fwAKAAAAIgAAABgAAAAAAAAAAAAAAAAAAAAAAAAAAAAAAAAAAAAkAAAAJAAAAAAAAAAHAAAAAAAAAAAAAAAAAAAAAAAAAAAAAAAAAAAAf39/ACUAAABYAAAAAAAAAAAAAAAAAAAAAAAAAAAAAAAAAAAAAAAAAAAAAAAAAAAAAAAAAAAAAAA/AAAAAAAAAKCGAQAAAAAAAAAAAAAAAAAMAAAAAQAAAAAAAAAAAAAAAAAAAB8AAABUAAAAT4G9Bf///wEAAAAAAAAAAAAAAAAAAAAAAAAAAAAAAAAAAAAAAAAAAAAAAAJ/f38A7uzhA8zMzADAwP8Af39/AAAAAAAAAAAAAAAAAAAAAAAAAAAAIQAAABgAAAAUAAAA0AIAALEBAABwNQAAuQgAABAAAAAmAAAACAAAAAAAAAAAAAAA"/>
-              </a:ext>
-            </a:extLst>
-          </p:cNvSpPr>
-          <p:nvPr>
-            <p:ph type="title"/>
-          </p:nvPr>
-        </p:nvSpPr>
-        <p:spPr/>
-        <p:txBody>
-          <a:bodyPr/>
-          <a:lstStyle/>
-          <a:p>
-            <a:pPr>
-              <a:defRPr lang="fr-fr"/>
-            </a:pPr>
-            <a:r>
-              <a:t>Changing the moves</a:t>
-            </a:r>
-          </a:p>
-        </p:txBody>
-      </p:sp>
-      <p:sp>
-        <p:nvSpPr>
-          <p:cNvPr id="3" name="Espace réservé du contenu 2"/>
-          <p:cNvSpPr>
-            <a:spLocks noGrp="1" noChangeArrowheads="1"/>
-            <a:extLst>
-              <a:ext uri="smNativeData">
-                <pr:smNativeData xmlns:pr="smNativeData" xmlns="smNativeData" val="SMDATA_15_iunWYhMAAAAlAAAAZAAAAA0AAAAAkAAAAEgAAACQAAAASAAAAAAAAAAAAAAAAAAAAAEAAABQAAAAAAAAAAAA4D8AAAAAAADgPwAAAAAAAOA/AAAAAAAA4D8AAAAAAADgPwAAAAAAAOA/AAAAAAAA4D8AAAAAAADgPwAAAAAAAOA/AAAAAAAA4D8CAAAAjAAAAAAAAAAAAAAAT4G9DP///wgAAAAAAAAAAAAAAAAAAAAAAAAAAAAAAAAAAAAAZAAAAAEAAABAAAAAAAAAAAAAAAAAAAAAAAAAAAAAAAAAAAAAAAAAAAAAAAAAAAAAAAAAAAAAAAAAAAAAAAAAAAAAAAAAAAAAAAAAAAAAAAAAAAAAAAAAAAAAAAAAAAAAFAAAADwAAAAAAAAAAAAAAAAAAAkUAAAAAQAAABQAAAAUAAAAFAAAAAEAAAAAAAAAZAAAAGQAAAAAAAAAZAAAAGQAAAAVAAAAYAAAAAAAAAAAAAAADwAAACADAAAAAAAAAAAAAAEAAACgMgAAVgcAAKr4//8BAAAAf39/AAEAAABkAAAAAAAAABQAAABAHwAAAAAAACYAAAAAAAAAwOD//wAAAAAmAAAAZAAAABYAAABMAAAAAAAAAAAAAAAEAAAAAAAAAAEAAADu7OEKAAAAACgAAAAoAAAAZAAAAGQAAAAAAAAAzMzMAAAAAABQAAAAUAAAAGQAAABkAAAAAAAAABcAAAAUAAAAAAAAAAAAAAD/fwAA/38AAAAAAAAJAAAABAAAAAAHnaAeAAAAaAAAAAAAAAAAAAAAAAAAAAAAAAAAAAAAECcAABAnAAAAAAAAAAAAAAAAAAAAAAAAAAAAAAAAAAAAAAAAAAAAABQAAAAAAAAAwMD/AAAAAABkAAAAMgAAAAAAAABkAAAAAAAAAH9/fwAKAAAAIgAAABgAAAAAAAAAAAAAAAAAAAAAAAAAAAAAAAAAAAAkAAAAJAAAAAAAAAAHAAAAAAAAAAAAAAAAAAAAAAAAAAAAAAAAAAAAf39/ACUAAABYAAAAAAAAAAAAAAAAAAAAAAAAAAAAAAAAAAAAAAAAAAAAAAAAAAAAAAAAAAAAAAA/AAAAAAAAAKCGAQAAAAAAAAAAAAAAAAAMAAAAAQAAAAAAAAAAAAAAAAAAAB8AAABUAAAAT4G9Bf///wEAAAAAAAAAAAAAAAAAAAAAAAAAAAAAAAAAAAAAAAAAAAAAAAJ/f38A7uzhA8zMzADAwP8Af39/AAAAAAAAAAAAAAAAAAAAAAAAAAAAIQAAABgAAAAUAAAA0AIAANgJAABwNQAAsCUAABAAAAAmAAAACAAAAAAAAAAAAAAA"/>
-              </a:ext>
-            </a:extLst>
-          </p:cNvSpPr>
-          <p:nvPr>
-            <p:ph type="body" idx="1"/>
-          </p:nvPr>
-        </p:nvSpPr>
-        <p:spPr/>
-        <p:txBody>
-          <a:bodyPr/>
-          <a:lstStyle/>
-          <a:p>
-            <a:pPr>
-              <a:buNone/>
-              <a:defRPr lang="fr-fr"/>
-            </a:pPr>
-            <a:r>
-              <a:t>moves[moveIndex++] = mvSlice(A)</a:t>
-            </a:r>
-          </a:p>
-          <a:p>
-            <a:pPr>
-              <a:buNone/>
-              <a:defRPr lang="fr-fr"/>
-            </a:pPr>
-            <a:r>
-              <a:t>moves[moveIndex++] = mvSlice(lalpha)</a:t>
-            </a:r>
-          </a:p>
-        </p:txBody>
-      </p:sp>
-    </p:spTree>
-  </p:cSld>
-  <p:clrMapOvr>
-    <a:masterClrMapping/>
-  </p:clrMapOvr>
-  <p:timing>
-    <p:tnLst>
-      <p:par>
-        <p:cTn id="1" dur="indefinite" restart="never" nodeType="tmRoot"/>
-      </p:par>
-    </p:tnLst>
-  </p:timing>
-</p:sld>
-</file>
-
 <file path=ppt/slides/slide38.xml><?xml version="1.0" encoding="utf-8"?>
 <p:sld xmlns:p="http://schemas.openxmlformats.org/presentationml/2006/main" xmlns:mc="http://schemas.openxmlformats.org/markup-compatibility/2006" xmlns:p14="http://schemas.microsoft.com/office/powerpoint/2010/main" xmlns:p15="http://schemas.microsoft.com/office/powerpoint/2012/main" xmlns:r="http://schemas.openxmlformats.org/officeDocument/2006/relationships" xmlns:a="http://schemas.openxmlformats.org/drawingml/2006/main" mc:Ignorable="p14" show="0">
   <p:cSld>
@@ -13677,7 +13755,107 @@
             <a:spLocks noGrp="1" noChangeArrowheads="1"/>
             <a:extLst>
               <a:ext uri="smNativeData">
-                <pr:smNativeData xmlns:pr="smNativeData" xmlns="smNativeData" val="SMDATA_15_iunWYhMAAAAlAAAAZAAAAA0AAAAAkAAAAEgAAACQAAAASAAAAAAAAAABAAAAAAAAAAEAAABQAAAAAAAAAAAA4D8AAAAAAADgPwAAAAAAAOA/AAAAAAAA4D8AAAAAAADgPwAAAAAAAOA/AAAAAAAA4D8AAAAAAADgPwAAAAAAAOA/AAAAAAAA4D8CAAAAjAAAAAAAAAAAAAAAT4G9DP///wgAAAAAAAAAAAAAAAAAAAAAAAAAAAAAAAAAAAAAZAAAAAEAAABAAAAAAAAAAAAAAAAAAAAAAAAAAAAAAAAAAAAAAAAAAAAAAAAAAAAAAAAAAAAAAAAAAAAAAAAAAAAAAAAAAAAAAAAAAAAAAAAAAAAAAAAAAAAAAAAAAAAAFAAAADwAAAAAAAAAAAAAAAAAAAkUAAAAAQAAABQAAAAUAAAAFAAAAAEAAAAAAAAAZAAAAGQAAAAAAAAAZAAAAGQAAAAVAAAAYAAAAAAAAAAAAAAADwAAACADAAAAAAAAAAAAAAEAAACgMgAAVgcAAKr4//8BAAAAf39/AAEAAABkAAAAAAAAABQAAABAHwAAAAAAACYAAAAAAAAAwOD//wAAAAAmAAAAZAAAABYAAABMAAAAAAAAAAAAAAAEAAAAAAAAAAEAAADu7OEKAAAAACgAAAAoAAAAZAAAAGQAAAAAAAAAzMzMAAAAAABQAAAAUAAAAGQAAABkAAAAAAAAABcAAAAUAAAAAAAAAAAAAAD/fwAA/38AAAAAAAAJAAAABAAAAAAAAAAeAAAAaAAAAAAAAAAAAAAAAAAAAAAAAAAAAAAAECcAABAnAAAAAAAAAAAAAAAAAAAAAAAAAAAAAAAAAAAAAAAAAAAAABQAAAAAAAAAwMD/AAAAAABkAAAAMgAAAAAAAABkAAAAAAAAAH9/fwAKAAAAIgAAABgAAAAAAAAAAAAAAAAAAAAAAAAAAAAAAAAAAAAkAAAAJAAAAAAAAAAHAAAAAAAAAAAAAAAAAAAAAAAAAAAAAAAAAAAAf39/ACUAAABYAAAAAAAAAAAAAAAAAAAAAAAAAAAAAAAAAAAAAAAAAAAAAAAAAAAAAAAAAAAAAAA/AAAAAAAAAKCGAQAAAAAAAAAAAAAAAAAMAAAAAQAAAAAAAAAAAAAAAAAAAB8AAABUAAAAT4G9Bf///wEAAAAAAAAAAAAAAAAAAAAAAAAAAAAAAAAAAAAAAAAAAAAAAAJ/f38A7uzhA8zMzADAwP8Af39/AAAAAAAAAAAAAAAAAAAAAAAAAAAAIQAAABgAAAAUAAAA0AIAAAAAAABwNQAACAcAABAAAAAmAAAACAAAAAEgAAAAAAAA"/>
+                <pr:smNativeData xmlns:pr="smNativeData" xmlns="smNativeData" val="SMDATA_15_0rbXYhMAAAAlAAAAZAAAAA0AAAAAkAAAAEgAAACQAAAASAAAAAAAAAABAAAAAAAAAAEAAABQAAAAAAAAAAAA4D8AAAAAAADgPwAAAAAAAOA/AAAAAAAA4D8AAAAAAADgPwAAAAAAAOA/AAAAAAAA4D8AAAAAAADgPwAAAAAAAOA/AAAAAAAA4D8CAAAAjAAAAAAAAAAAAAAAT4G9DP///wgAAAAAAAAAAAAAAAAAAAAAAAAAAAAAAAAAAAAAZAAAAAEAAABAAAAAAAAAAAAAAAAAAAAAAAAAAAAAAAAAAAAAAAAAAAAAAAAAAAAAAAAAAAAAAAAAAAAAAAAAAAAAAAAAAAAAAAAAAAAAAAAAAAAAAAAAAAAAAAAAAAAAFAAAADwAAAAAAAAAAAAAAAAAAAkUAAAAAQAAABQAAAAUAAAAFAAAAAEAAAAAAAAAZAAAAGQAAAAAAAAAZAAAAGQAAAAVAAAAYAAAAAAAAAAAAAAADwAAACADAAAAAAAAAAAAAAEAAACgMgAAVgcAAKr4//8BAAAAf39/AAEAAABkAAAAAAAAABQAAABAHwAAAAAAACYAAAAAAAAAwOD//wAAAAAmAAAAZAAAABYAAABMAAAAAAAAAAAAAAAEAAAAAAAAAAEAAADu7OEKAAAAACgAAAAoAAAAZAAAAGQAAAAAAAAAzMzMAAAAAABQAAAAUAAAAGQAAABkAAAAAAAAABcAAAAUAAAAAAAAAAAAAAD/fwAA/38AAAAAAAAJAAAABAAAAAAAAAAeAAAAaAAAAAAAAAAAAAAAAAAAAAAAAAAAAAAAECcAABAnAAAAAAAAAAAAAAAAAAAAAAAAAAAAAAAAAAAAAAAAAAAAABQAAAAAAAAAwMD/AAAAAABkAAAAMgAAAAAAAABkAAAAAAAAAH9/fwAKAAAAIgAAABgAAAAAAAAAAAAAAAAAAAAAAAAAAAAAAAAAAAAkAAAAJAAAAAAAAAAHAAAAAAAAAAAAAAAAAAAAAAAAAAAAAAAAAAAAf39/ACUAAABYAAAAAAAAAAAAAAAAAAAAAAAAAAAAAAAAAAAAAAAAAAAAAAAAAAAAAAAAAAAAAAA/AAAAAAAAAKCGAQAAAAAAAAAAAAAAAAAMAAAAAQAAAAAAAAAAAAAAAAAAAB8AAABUAAAAT4G9Bf///wEAAAAAAAAAAAAAAAAAAAAAAAAAAAAAAAAAAAAAAAAAAAAAAAJ/f38A7uzhA8zMzADAwP8Af39/AAAAAAAAAAAAAAAAAAAAAAAAAAAAIQAAABgAAAAUAAAA0AIAALEBAABwNQAAuQgAABAAAAAmAAAACAAAAAAAAAAAAAAA"/>
+              </a:ext>
+            </a:extLst>
+          </p:cNvSpPr>
+          <p:nvPr>
+            <p:ph type="title"/>
+          </p:nvPr>
+        </p:nvSpPr>
+        <p:spPr/>
+        <p:txBody>
+          <a:bodyPr/>
+          <a:lstStyle/>
+          <a:p>
+            <a:pPr>
+              <a:defRPr lang="fr-fr"/>
+            </a:pPr>
+            <a:r>
+              <a:t>Changing the moves</a:t>
+            </a:r>
+          </a:p>
+        </p:txBody>
+      </p:sp>
+      <p:sp>
+        <p:nvSpPr>
+          <p:cNvPr id="3" name="Espace réservé du contenu 2"/>
+          <p:cNvSpPr>
+            <a:spLocks noGrp="1" noChangeArrowheads="1"/>
+            <a:extLst>
+              <a:ext uri="smNativeData">
+                <pr:smNativeData xmlns:pr="smNativeData" xmlns="smNativeData" val="SMDATA_15_0rbXYhMAAAAlAAAAZAAAAA0AAAAAkAAAAEgAAACQAAAASAAAAAAAAAAAAAAAAAAAAAEAAABQAAAAAAAAAAAA4D8AAAAAAADgPwAAAAAAAOA/AAAAAAAA4D8AAAAAAADgPwAAAAAAAOA/AAAAAAAA4D8AAAAAAADgPwAAAAAAAOA/AAAAAAAA4D8CAAAAjAAAAAAAAAAAAAAAT4G9DP///wgAAAAAAAAAAAAAAAAAAAAAAAAAAAAAAAAAAAAAZAAAAAEAAABAAAAAAAAAAAAAAAAAAAAAAAAAAAAAAAAAAAAAAAAAAAAAAAAAAAAAAAAAAAAAAAAAAAAAAAAAAAAAAAAAAAAAAAAAAAAAAAAAAAAAAAAAAAAAAAAAAAAAFAAAADwAAAAAAAAAAAAAAAAAAAkUAAAAAQAAABQAAAAUAAAAFAAAAAEAAAAAAAAAZAAAAGQAAAAAAAAAZAAAAGQAAAAVAAAAYAAAAAAAAAAAAAAADwAAACADAAAAAAAAAAAAAAEAAACgMgAAVgcAAKr4//8BAAAAf39/AAEAAABkAAAAAAAAABQAAABAHwAAAAAAACYAAAAAAAAAwOD//wAAAAAmAAAAZAAAABYAAABMAAAAAAAAAAAAAAAEAAAAAAAAAAEAAADu7OEKAAAAACgAAAAoAAAAZAAAAGQAAAAAAAAAzMzMAAAAAABQAAAAUAAAAGQAAABkAAAAAAAAABcAAAAUAAAAAAAAAAAAAAD/fwAA/38AAAAAAAAJAAAABAAAAAAHnaAeAAAAaAAAAAAAAAAAAAAAAAAAAAAAAAAAAAAAECcAABAnAAAAAAAAAAAAAAAAAAAAAAAAAAAAAAAAAAAAAAAAAAAAABQAAAAAAAAAwMD/AAAAAABkAAAAMgAAAAAAAABkAAAAAAAAAH9/fwAKAAAAIgAAABgAAAAAAAAAAAAAAAAAAAAAAAAAAAAAAAAAAAAkAAAAJAAAAAAAAAAHAAAAAAAAAAAAAAAAAAAAAAAAAAAAAAAAAAAAf39/ACUAAABYAAAAAAAAAAAAAAAAAAAAAAAAAAAAAAAAAAAAAAAAAAAAAAAAAAAAAAAAAAAAAAA/AAAAAAAAAKCGAQAAAAAAAAAAAAAAAAAMAAAAAQAAAAAAAAAAAAAAAAAAAB8AAABUAAAAT4G9Bf///wEAAAAAAAAAAAAAAAAAAAAAAAAAAAAAAAAAAAAAAAAAAAAAAAJ/f38A7uzhA8zMzADAwP8Af39/AAAAAAAAAAAAAAAAAAAAAAAAAAAAIQAAABgAAAAUAAAA0AIAANgJAABwNQAAsCUAABAAAAAmAAAACAAAAAAAAAAAAAAA"/>
+              </a:ext>
+            </a:extLst>
+          </p:cNvSpPr>
+          <p:nvPr>
+            <p:ph type="body" idx="1"/>
+          </p:nvPr>
+        </p:nvSpPr>
+        <p:spPr/>
+        <p:txBody>
+          <a:bodyPr/>
+          <a:lstStyle/>
+          <a:p>
+            <a:pPr>
+              <a:buNone/>
+              <a:defRPr lang="fr-fr"/>
+            </a:pPr>
+            <a:r>
+              <a:t>moves[moveIndex++] = mvSlice(A)</a:t>
+            </a:r>
+          </a:p>
+          <a:p>
+            <a:pPr>
+              <a:buNone/>
+              <a:defRPr lang="fr-fr"/>
+            </a:pPr>
+            <a:r>
+              <a:t>moves[moveIndex++] = mvSlice(lalpha)</a:t>
+            </a:r>
+          </a:p>
+        </p:txBody>
+      </p:sp>
+    </p:spTree>
+  </p:cSld>
+  <p:clrMapOvr>
+    <a:masterClrMapping/>
+  </p:clrMapOvr>
+  <p:timing>
+    <p:tnLst>
+      <p:par>
+        <p:cTn id="1" dur="indefinite" restart="never" nodeType="tmRoot"/>
+      </p:par>
+    </p:tnLst>
+  </p:timing>
+</p:sld>
+</file>
+
+<file path=ppt/slides/slide39.xml><?xml version="1.0" encoding="utf-8"?>
+<p:sld xmlns:p="http://schemas.openxmlformats.org/presentationml/2006/main" xmlns:mc="http://schemas.openxmlformats.org/markup-compatibility/2006" xmlns:p14="http://schemas.microsoft.com/office/powerpoint/2010/main" xmlns:p15="http://schemas.microsoft.com/office/powerpoint/2012/main" xmlns:r="http://schemas.openxmlformats.org/officeDocument/2006/relationships" xmlns:a="http://schemas.openxmlformats.org/drawingml/2006/main" mc:Ignorable="p14" show="0">
+  <p:cSld>
+    <p:spTree>
+      <p:nvGrpSpPr>
+        <p:cNvPr id="1" name=""/>
+        <p:cNvGrpSpPr/>
+        <p:nvPr/>
+      </p:nvGrpSpPr>
+      <p:grpSpPr>
+        <a:xfrm>
+          <a:off x="0" y="0"/>
+          <a:ext cx="0" cy="0"/>
+          <a:chOff x="0" y="0"/>
+          <a:chExt cx="0" cy="0"/>
+        </a:xfrm>
+      </p:grpSpPr>
+      <p:sp>
+        <p:nvSpPr>
+          <p:cNvPr id="2" name="Titre 1"/>
+          <p:cNvSpPr>
+            <a:spLocks noGrp="1" noChangeArrowheads="1"/>
+            <a:extLst>
+              <a:ext uri="smNativeData">
+                <pr:smNativeData xmlns:pr="smNativeData" xmlns="smNativeData" val="SMDATA_15_0rbXYhMAAAAlAAAAZAAAAA0AAAAAkAAAAEgAAACQAAAASAAAAAAAAAABAAAAAAAAAAEAAABQAAAAAAAAAAAA4D8AAAAAAADgPwAAAAAAAOA/AAAAAAAA4D8AAAAAAADgPwAAAAAAAOA/AAAAAAAA4D8AAAAAAADgPwAAAAAAAOA/AAAAAAAA4D8CAAAAjAAAAAAAAAAAAAAAT4G9DP///wgAAAAAAAAAAAAAAAAAAAAAAAAAAAAAAAAAAAAAZAAAAAEAAABAAAAAAAAAAAAAAAAAAAAAAAAAAAAAAAAAAAAAAAAAAAAAAAAAAAAAAAAAAAAAAAAAAAAAAAAAAAAAAAAAAAAAAAAAAAAAAAAAAAAAAAAAAAAAAAAAAAAAFAAAADwAAAAAAAAAAAAAAAAAAAkUAAAAAQAAABQAAAAUAAAAFAAAAAEAAAAAAAAAZAAAAGQAAAAAAAAAZAAAAGQAAAAVAAAAYAAAAAAAAAAAAAAADwAAACADAAAAAAAAAAAAAAEAAACgMgAAVgcAAKr4//8BAAAAf39/AAEAAABkAAAAAAAAABQAAABAHwAAAAAAACYAAAAAAAAAwOD//wAAAAAmAAAAZAAAABYAAABMAAAAAAAAAAAAAAAEAAAAAAAAAAEAAADu7OEKAAAAACgAAAAoAAAAZAAAAGQAAAAAAAAAzMzMAAAAAABQAAAAUAAAAGQAAABkAAAAAAAAABcAAAAUAAAAAAAAAAAAAAD/fwAA/38AAAAAAAAJAAAABAAAAAAAAAAeAAAAaAAAAAAAAAAAAAAAAAAAAAAAAAAAAAAAECcAABAnAAAAAAAAAAAAAAAAAAAAAAAAAAAAAAAAAAAAAAAAAAAAABQAAAAAAAAAwMD/AAAAAABkAAAAMgAAAAAAAABkAAAAAAAAAH9/fwAKAAAAIgAAABgAAAAAAAAAAAAAAAAAAAAAAAAAAAAAAAAAAAAkAAAAJAAAAAAAAAAHAAAAAAAAAAAAAAAAAAAAAAAAAAAAAAAAAAAAf39/ACUAAABYAAAAAAAAAAAAAAAAAAAAAAAAAAAAAAAAAAAAAAAAAAAAAAAAAAAAAAAAAAAAAAA/AAAAAAAAAKCGAQAAAAAAAAAAAAAAAAAMAAAAAQAAAAAAAAAAAAAAAAAAAB8AAABUAAAAT4G9Bf///wEAAAAAAAAAAAAAAAAAAAAAAAAAAAAAAAAAAAAAAAAAAAAAAAJ/f38A7uzhA8zMzADAwP8Af39/AAAAAAAAAAAAAAAAAAAAAAAAAAAAIQAAABgAAAAUAAAA0AIAAAAAAABwNQAACAcAABAAAAAmAAAACAAAAAEgAAAAAAAA"/>
               </a:ext>
             </a:extLst>
           </p:cNvSpPr>
@@ -13715,7 +13893,7 @@
             <a:picLocks noChangeAspect="1"/>
             <a:extLst>
               <a:ext uri="smNativeData">
-                <pr:smNativeData xmlns:pr="smNativeData" xmlns="smNativeData" val="SMDATA_17_iunWYhMAAAAlAAAAEQAAAC0AAAAAkAAAAEgAAACQAAAASAAAAAAAAAAAAAAAAAAAAAEAAABQAAAAAAAAAAAA4D8AAAAAAADgPwAAAAAAAOA/AAAAAAAA4D8AAAAAAADgPwAAAAAAAOA/AAAAAAAA4D8AAAAAAADgPwAAAAAAAOA/AAAAAAAA4D8CAAAAjAAAAAAAAAAAAAAAT4G9DP///wgAAAAAAAAAAAAAAAAAAAAAAAAAAAAAAAAAAAAAZAAAAAEAAABAAAAAAAAAAAAAAAAAAAAAAAAAAAAAAAAAAAAAAAAAAAAAAAAAAAAAAAAAAAAAAAAAAAAAAAAAAAAAAAAAAAAAAAAAAAAAAAAAAAAAAAAAAAAAAAAAAAAAFAAAADwAAAAAAAAAAAAAAAAAAAkUAAAAAQAAABQAAAAUAAAAFAAAAAEAAAAAAAAAZAAAAGQAAAAAAAAAZAAAAGQAAAAVAAAAYAAAAAAAAAAAAAAADwAAACADAAAAAAAAAAAAAAEAAACgMgAAVgcAAKr4//8BAAAAf39/AAEAAABkAAAAAAAAABQAAABAHwAAAAAAACYAAAAAAAAAwOD//wAAAAAmAAAAZAAAABYAAABMAAAAAAAAAAAAAAAEAAAAAAAAAAEAAADu7OEKAAAAACgAAAAoAAAAZAAAAGQAAAAAAAAAzMzMAAAAAABQAAAAUAAAAGQAAABkAAAAAAAAAAcAAAA4AAAAAAAAAAAAAAAAAAAA////AAAAAAAAAAAAAAAAAAAAAAAAAAAAAAAAAAAAAABkAAAAZAAAAAAAAAAjAAAABAAAAGQAAAAXAAAAFAAAAAAAAAAAAAAA/38AAP9/AAAAAAAACQAAAAQAAAAAAAAAHgAAAGgAAAAAAAAAAAAAAAAAAAAAAAAAAAAAABAnAAAQJwAAAAAAAAAAAAAAAAAAAAAAAAAAAAAAAAAAAAAAAAAAAAAUAAAAAAAAAMDA/wAAAAAAZAAAADIAAAAAAAAAZAAAAAAAAAB/f38ACgAAACIAAAAYAAAAAAAAAAAAAAAAAAAAAAAAAAAAAAAAAAAAJAAAACQAAAAAAAAABwAAAAAAAAAAAAAAAAAAAAAAAAAAAAAAAAAAAH9/fwAlAAAAWAAAAAAAAAAAAAAAAAAAAAAAAAAAAAAAAAAAAAAAAAAAAAAAAAAAAAAAAAAAAAAAPwAAAAAAAACghgEAAAAAAAAAAAAAAAAADAAAAAEAAAAAAAAAAAAAAAAAAAAfAAAAVAAAAE+BvQX///8BAAAAAAAAAAAAAAAAAAAAAAAAAAAAAAAAAAAAAAAAAAAAAAACf39/AO7s4QPMzMwAwMD/AH9/fwAAAAAAAAAAAAAAAAD///8AAAAAACEAAAAYAAAAFAAAAAAAAACECAAAfhgAAMUnAAAQAAAAJgAAAAgAAAD//////////w=="/>
+                <pr:smNativeData xmlns:pr="smNativeData" xmlns="smNativeData" val="SMDATA_17_0rbXYhMAAAAlAAAAEQAAAC0AAAAAkAAAAEgAAACQAAAASAAAAAAAAAAAAAAAAAAAAAEAAABQAAAAAAAAAAAA4D8AAAAAAADgPwAAAAAAAOA/AAAAAAAA4D8AAAAAAADgPwAAAAAAAOA/AAAAAAAA4D8AAAAAAADgPwAAAAAAAOA/AAAAAAAA4D8CAAAAjAAAAAAAAAAAAAAAT4G9DP///wgAAAAAAAAAAAAAAAAAAAAAAAAAAAAAAAAAAAAAZAAAAAEAAABAAAAAAAAAAAAAAAAAAAAAAAAAAAAAAAAAAAAAAAAAAAAAAAAAAAAAAAAAAAAAAAAAAAAAAAAAAAAAAAAAAAAAAAAAAAAAAAAAAAAAAAAAAAAAAAAAAAAAFAAAADwAAAAAAAAAAAAAAAAAAAkUAAAAAQAAABQAAAAUAAAAFAAAAAEAAAAAAAAAZAAAAGQAAAAAAAAAZAAAAGQAAAAVAAAAYAAAAAAAAAAAAAAADwAAACADAAAAAAAAAAAAAAEAAACgMgAAVgcAAKr4//8BAAAAf39/AAEAAABkAAAAAAAAABQAAABAHwAAAAAAACYAAAAAAAAAwOD//wAAAAAmAAAAZAAAABYAAABMAAAAAAAAAAAAAAAEAAAAAAAAAAEAAADu7OEKAAAAACgAAAAoAAAAZAAAAGQAAAAAAAAAzMzMAAAAAABQAAAAUAAAAGQAAABkAAAAAAAAAAcAAAA4AAAAAAAAAAAAAAAAAAAA////AAAAAAAAAAAAAAAAAAAAAAAAAAAAAAAAAAAAAABkAAAAZAAAAAAAAAAjAAAABAAAAGQAAAAXAAAAFAAAAAAAAAAAAAAA/38AAP9/AAAAAAAACQAAAAQAAAAAAAAAHgAAAGgAAAAAAAAAAAAAAAAAAAAAAAAAAAAAABAnAAAQJwAAAAAAAAAAAAAAAAAAAAAAAAAAAAAAAAAAAAAAAAAAAAAUAAAAAAAAAMDA/wAAAAAAZAAAADIAAAAAAAAAZAAAAAAAAAB/f38ACgAAACIAAAAYAAAAAAAAAAAAAAAAAAAAAAAAAAAAAAAAAAAAJAAAACQAAAAAAAAABwAAAAAAAAAAAAAAAAAAAAAAAAAAAAAAAAAAAH9/fwAlAAAAWAAAAAAAAAAAAAAAAAAAAAAAAAAAAAAAAAAAAAAAAAAAAAAAAAAAAAAAAAAAAAAAPwAAAAAAAACghgEAAAAAAAAAAAAAAAAADAAAAAEAAAAAAAAAAAAAAAAAAAAfAAAAVAAAAE+BvQX///8BAAAAAAAAAAAAAAAAAAAAAAAAAAAAAAAAAAAAAAAAAAAAAAACf39/AO7s4QPMzMwAwMD/AH9/fwAAAAAAAAAAAAAAAAD///8AAAAAACEAAAAYAAAAFAAAAAAAAACECAAAfhgAAMUnAAAQAAAAJgAAAAgAAAD//////////w=="/>
               </a:ext>
             </a:extLst>
           </p:cNvPicPr>
@@ -13749,7 +13927,7 @@
             <a:picLocks noChangeAspect="1"/>
             <a:extLst>
               <a:ext uri="smNativeData">
-                <pr:smNativeData xmlns:pr="smNativeData" xmlns="smNativeData" val="SMDATA_17_iunWYhMAAAAlAAAAEQAAAC0AAAAAkAAAAEgAAACQAAAASAAAAAAAAAAAAAAAAAAAAAEAAABQAAAAAAAAAAAA4D8AAAAAAADgPwAAAAAAAOA/AAAAAAAA4D8AAAAAAADgPwAAAAAAAOA/AAAAAAAA4D8AAAAAAADgPwAAAAAAAOA/AAAAAAAA4D8CAAAAjAAAAAAAAAAAAAAAT4G9DP///wgAAAAAAAAAAAAAAAAAAAAAAAAAAAAAAAAAAAAAZAAAAAEAAABAAAAAAAAAAAAAAAAAAAAAAAAAAAAAAAAAAAAAAAAAAAAAAAAAAAAAAAAAAAAAAAAAAAAAAAAAAAAAAAAAAAAAAAAAAAAAAAAAAAAAAAAAAAAAAAAAAAAAFAAAADwAAAAAAAAAAAAAAAAAAAkUAAAAAQAAABQAAAAUAAAAFAAAAAEAAAAAAAAAZAAAAGQAAAAAAAAAZAAAAGQAAAAVAAAAYAAAAAAAAAAAAAAADwAAACADAAAAAAAAAAAAAAEAAACgMgAAVgcAAKr4//8BAAAAf39/AAEAAABkAAAAAAAAABQAAABAHwAAAAAAACYAAAAAAAAAwOD//wAAAAAmAAAAZAAAABYAAABMAAAAAAAAAAAAAAAEAAAAAAAAAAEAAADu7OEKAAAAACgAAAAoAAAAZAAAAGQAAAAAAAAAzMzMAAAAAABQAAAAUAAAAGQAAABkAAAAAAAAAAcAAAA4AAAAAAAAAAAAAAAAAAAA////AAAAAAAAAAAAAAAAAAAAAAAAAAAAAAAAAAAAAABkAAAAZAAAAAAAAAAjAAAABAAAAGQAAAAXAAAAFAAAAAAAAAAAAAAA/38AAP9/AAAAAAAACQAAAAQAAAAAAAAAHgAAAGgAAAAAAAAAAAAAAAAAAAAAAAAAAAAAABAnAAAQJwAAAAAAAAAAAAAAAAAAAAAAAAAAAAAAAAAAAAAAAAAAAAAUAAAAAAAAAMDA/wAAAAAAZAAAADIAAAAAAAAAZAAAAAAAAAB/f38ACgAAACIAAAAYAAAAAAAAAAAAAAAAAAAAAAAAAAAAAAAAAAAAJAAAACQAAAAAAAAABwAAAAAAAAAAAAAAAAAAAAAAAAAAAAAAAAAAAH9/fwAlAAAAWAAAAAAAAAAAAAAAAAAAAAAAAAAAAAAAAAAAAAAAAAAAAAAAAAAAAAAAAAAAAAAAPwAAAAAAAACghgEAAAAAAAAAAAAAAAAADAAAAAEAAAAAAAAAAAAAAAAAAAAfAAAAVAAAAE+BvQX///8BAAAAAAAAAAAAAAAAAAAAAAAAAAAAAAAAAAAAAAAAAAAAAAACf39/AO7s4QPMzMwAwMD/AH9/fwAAAAAAAAAAAAAAAAD///8AAAAAACEAAAAYAAAAFAAAAFYYAACaDAAAUjgAABQjAAAQAAAAJgAAAAgAAAD//////////w=="/>
+                <pr:smNativeData xmlns:pr="smNativeData" xmlns="smNativeData" val="SMDATA_17_0rbXYhMAAAAlAAAAEQAAAC0AAAAAkAAAAEgAAACQAAAASAAAAAAAAAAAAAAAAAAAAAEAAABQAAAAAAAAAAAA4D8AAAAAAADgPwAAAAAAAOA/AAAAAAAA4D8AAAAAAADgPwAAAAAAAOA/AAAAAAAA4D8AAAAAAADgPwAAAAAAAOA/AAAAAAAA4D8CAAAAjAAAAAAAAAAAAAAAT4G9DP///wgAAAAAAAAAAAAAAAAAAAAAAAAAAAAAAAAAAAAAZAAAAAEAAABAAAAAAAAAAAAAAAAAAAAAAAAAAAAAAAAAAAAAAAAAAAAAAAAAAAAAAAAAAAAAAAAAAAAAAAAAAAAAAAAAAAAAAAAAAAAAAAAAAAAAAAAAAAAAAAAAAAAAFAAAADwAAAAAAAAAAAAAAAAAAAkUAAAAAQAAABQAAAAUAAAAFAAAAAEAAAAAAAAAZAAAAGQAAAAAAAAAZAAAAGQAAAAVAAAAYAAAAAAAAAAAAAAADwAAACADAAAAAAAAAAAAAAEAAACgMgAAVgcAAKr4//8BAAAAf39/AAEAAABkAAAAAAAAABQAAABAHwAAAAAAACYAAAAAAAAAwOD//wAAAAAmAAAAZAAAABYAAABMAAAAAAAAAAAAAAAEAAAAAAAAAAEAAADu7OEKAAAAACgAAAAoAAAAZAAAAGQAAAAAAAAAzMzMAAAAAABQAAAAUAAAAGQAAABkAAAAAAAAAAcAAAA4AAAAAAAAAAAAAAAAAAAA////AAAAAAAAAAAAAAAAAAAAAAAAAAAAAAAAAAAAAABkAAAAZAAAAAAAAAAjAAAABAAAAGQAAAAXAAAAFAAAAAAAAAAAAAAA/38AAP9/AAAAAAAACQAAAAQAAAAAAAAAHgAAAGgAAAAAAAAAAAAAAAAAAAAAAAAAAAAAABAnAAAQJwAAAAAAAAAAAAAAAAAAAAAAAAAAAAAAAAAAAAAAAAAAAAAUAAAAAAAAAMDA/wAAAAAAZAAAADIAAAAAAAAAZAAAAAAAAAB/f38ACgAAACIAAAAYAAAAAAAAAAAAAAAAAAAAAAAAAAAAAAAAAAAAJAAAACQAAAAAAAAABwAAAAAAAAAAAAAAAAAAAAAAAAAAAAAAAAAAAH9/fwAlAAAAWAAAAAAAAAAAAAAAAAAAAAAAAAAAAAAAAAAAAAAAAAAAAAAAAAAAAAAAAAAAAAAAPwAAAAAAAACghgEAAAAAAAAAAAAAAAAADAAAAAEAAAAAAAAAAAAAAAAAAAAfAAAAVAAAAE+BvQX///8BAAAAAAAAAAAAAAAAAAAAAAAAAAAAAAAAAAAAAAAAAAAAAAACf39/AO7s4QPMzMwAwMD/AH9/fwAAAAAAAAAAAAAAAAD///8AAAAAACEAAAAYAAAAFAAAAFYYAACaDAAAUjgAABQjAAAQAAAAJgAAAAgAAAD//////////w=="/>
               </a:ext>
             </a:extLst>
           </p:cNvPicPr>
@@ -13791,142 +13969,6 @@
 </p:sld>
 </file>
 
-<file path=ppt/slides/slide39.xml><?xml version="1.0" encoding="utf-8"?>
-<p:sld xmlns:p="http://schemas.openxmlformats.org/presentationml/2006/main" xmlns:mc="http://schemas.openxmlformats.org/markup-compatibility/2006" xmlns:p14="http://schemas.microsoft.com/office/powerpoint/2010/main" xmlns:p15="http://schemas.microsoft.com/office/powerpoint/2012/main" xmlns:r="http://schemas.openxmlformats.org/officeDocument/2006/relationships" xmlns:a="http://schemas.openxmlformats.org/drawingml/2006/main" mc:Ignorable="p14" show="0">
-  <p:cSld>
-    <p:spTree>
-      <p:nvGrpSpPr>
-        <p:cNvPr id="1" name=""/>
-        <p:cNvGrpSpPr/>
-        <p:nvPr/>
-      </p:nvGrpSpPr>
-      <p:grpSpPr>
-        <a:xfrm>
-          <a:off x="0" y="0"/>
-          <a:ext cx="0" cy="0"/>
-          <a:chOff x="0" y="0"/>
-          <a:chExt cx="0" cy="0"/>
-        </a:xfrm>
-      </p:grpSpPr>
-      <p:sp>
-        <p:nvSpPr>
-          <p:cNvPr id="2" name="Titre 1"/>
-          <p:cNvSpPr>
-            <a:spLocks noGrp="1" noChangeArrowheads="1"/>
-            <a:extLst>
-              <a:ext uri="smNativeData">
-                <pr:smNativeData xmlns:pr="smNativeData" xmlns="smNativeData" val="SMDATA_15_iunWYhMAAAAlAAAAZAAAAA0AAAAAkAAAAEgAAACQAAAASAAAAAAAAAABAAAAAAAAAAEAAABQAAAAAAAAAAAA4D8AAAAAAADgPwAAAAAAAOA/AAAAAAAA4D8AAAAAAADgPwAAAAAAAOA/AAAAAAAA4D8AAAAAAADgPwAAAAAAAOA/AAAAAAAA4D8CAAAAjAAAAAAAAAAAAAAAT4G9DP///wgAAAAAAAAAAAAAAAAAAAAAAAAAAAAAAAAAAAAAZAAAAAEAAABAAAAAAAAAAAAAAAAAAAAAAAAAAAAAAAAAAAAAAAAAAAAAAAAAAAAAAAAAAAAAAAAAAAAAAAAAAAAAAAAAAAAAAAAAAAAAAAAAAAAAAAAAAAAAAAAAAAAAFAAAADwAAAAAAAAAAAAAAAAAAAkUAAAAAQAAABQAAAAUAAAAFAAAAAEAAAAAAAAAZAAAAGQAAAAAAAAAZAAAAGQAAAAVAAAAYAAAAAAAAAAAAAAADwAAACADAAAAAAAAAAAAAAEAAACgMgAAVgcAAKr4//8BAAAAf39/AAEAAABkAAAAAAAAABQAAABAHwAAAAAAACYAAAAAAAAAwOD//wAAAAAmAAAAZAAAABYAAABMAAAAAAAAAAAAAAAEAAAAAAAAAAEAAADu7OEKAAAAACgAAAAoAAAAZAAAAGQAAAAAAAAAzMzMAAAAAABQAAAAUAAAAGQAAABkAAAAAAAAABcAAAAUAAAAAAAAAAAAAAD/fwAA/38AAAAAAAAJAAAABAAAAAAAAAEeAAAAaAAAAAAAAAAAAAAAAAAAAAAAAAAAAAAAECcAABAnAAAAAAAAAAAAAAAAAAAAAAAAAAAAAAAAAAAAAAAAAAAAABQAAAAAAAAAwMD/AAAAAABkAAAAMgAAAAAAAABkAAAAAAAAAH9/fwAKAAAAIgAAABgAAAAAAAAAAAAAAAAAAAAAAAAAAAAAAAAAAAAkAAAAJAAAAAAAAAAHAAAAAAAAAAAAAAAAAAAAAAAAAAAAAAAAAAAAf39/ACUAAABYAAAAAAAAAAAAAAAAAAAAAAAAAAAAAAAAAAAAAAAAAAAAAAAAAAAAAAAAAAAAAAA/AAAAAAAAAKCGAQAAAAAAAAAAAAAAAAAMAAAAAQAAAAAAAAAAAAAAAAAAAB8AAABUAAAAT4G9Bf///wEAAAAAAAAAAAAAAAAAAAAAAAAAAAAAAAAAAAAAAAAAAAAAAAJ/f38A7uzhA8zMzADAwP8Af39/AAAAAAAAAAAAAAAAAAAAAAAAAAAAIQAAABgAAAAUAAAA0AIAALEBAABwNQAAuQgAABAAAAAmAAAACAAAAAAAAAAAAAAA"/>
-              </a:ext>
-            </a:extLst>
-          </p:cNvSpPr>
-          <p:nvPr>
-            <p:ph type="title"/>
-          </p:nvPr>
-        </p:nvSpPr>
-        <p:spPr/>
-        <p:txBody>
-          <a:bodyPr/>
-          <a:lstStyle/>
-          <a:p>
-            <a:pPr>
-              <a:defRPr lang="fr-fr"/>
-            </a:pPr>
-            <a:r>
-              <a:t>Combining moves</a:t>
-            </a:r>
-          </a:p>
-        </p:txBody>
-      </p:sp>
-      <p:sp>
-        <p:nvSpPr>
-          <p:cNvPr id="3" name="Espace réservé du contenu 2"/>
-          <p:cNvSpPr>
-            <a:spLocks noGrp="1" noChangeArrowheads="1"/>
-            <a:extLst>
-              <a:ext uri="smNativeData">
-                <pr:smNativeData xmlns:pr="smNativeData" xmlns="smNativeData" val="SMDATA_15_iunWYhMAAAAlAAAAZAAAAA0AAAAAkAAAAEgAAACQAAAASAAAAAAAAAAAAAAAAAAAAAEAAABQAAAAAAAAAAAA4D8AAAAAAADgPwAAAAAAAOA/AAAAAAAA4D8AAAAAAADgPwAAAAAAAOA/AAAAAAAA4D8AAAAAAADgPwAAAAAAAOA/AAAAAAAA4D8CAAAAjAAAAAAAAAAAAAAAT4G9DP///wgAAAAAAAAAAAAAAAAAAAAAAAAAAAAAAAAAAAAAZAAAAAEAAABAAAAAAAAAAAAAAAAAAAAAAAAAAAAAAAAAAAAAAAAAAAAAAAAAAAAAAAAAAAAAAAAAAAAAAAAAAAAAAAAAAAAAAAAAAAAAAAAAAAAAAAAAAAAAAAAAAAAAFAAAADwAAAAAAAAAAAAAAAAAAAkUAAAAAQAAABQAAAAUAAAAFAAAAAEAAAAAAAAAZAAAAGQAAAAAAAAAZAAAAGQAAAAVAAAAYAAAAAAAAAAAAAAADwAAACADAAAAAAAAAAAAAAEAAACgMgAAVgcAAKr4//8BAAAAf39/AAEAAABkAAAAAAAAABQAAABAHwAAAAAAACYAAAAAAAAAwOD//wAAAAAmAAAAZAAAABYAAABMAAAAAAAAAAAAAAAEAAAAAAAAAAEAAADu7OEKAAAAACgAAAAoAAAAZAAAAGQAAAAAAAAAzMzMAAAAAABQAAAAUAAAAGQAAABkAAAAAAAAABcAAAAUAAAAAAAAAAAAAAD/fwAA/38AAAAAAAAJAAAABAAAAD7o2aweAAAAaAAAAAAAAAAAAAAAAAAAAAAAAAAAAAAAECcAABAnAAAAAAAAAAAAAAAAAAAAAAAAAAAAAAAAAAAAAAAAAAAAABQAAAAAAAAAwMD/AAAAAABkAAAAMgAAAAAAAABkAAAAAAAAAH9/fwAKAAAAIgAAABgAAAAAAAAAAAAAAAAAAAAAAAAAAAAAAAAAAAAkAAAAJAAAAAAAAAAHAAAAAAAAAAAAAAAAAAAAAAAAAAAAAAAAAAAAf39/ACUAAABYAAAAAAAAAAAAAAAAAAAAAAAAAAAAAAAAAAAAAAAAAAAAAAAAAAAAAAAAAAAAAAA/AAAAAAAAAKCGAQAAAAAAAAAAAAAAAAAMAAAAAQAAAAAAAAAAAAAAAAAAAB8AAABUAAAAT4G9Bf///wEAAAAAAAAAAAAAAAAAAAAAAAAAAAAAAAAAAAAAAAAAAAAAAAJ/f38A7uzhA8zMzADAwP8Af39/AAAAAAAAAAAAAAAAAAAAAAAAAAAAIQAAABgAAAAUAAAA0AIAANgJAABwNQAAsCUAABAAAAAmAAAACAAAAAAAAAAAAAAA"/>
-              </a:ext>
-            </a:extLst>
-          </p:cNvSpPr>
-          <p:nvPr>
-            <p:ph type="body" idx="1"/>
-          </p:nvPr>
-        </p:nvSpPr>
-        <p:spPr/>
-        <p:txBody>
-          <a:bodyPr/>
-          <a:lstStyle/>
-          <a:p>
-            <a:pPr>
-              <a:buNone/>
-              <a:defRPr lang="fr-fr"/>
-            </a:pPr>
-            <a:r>
-              <a:t>moveIndex = 0</a:t>
-            </a:r>
-          </a:p>
-          <a:p>
-            <a:pPr>
-              <a:buNone/>
-              <a:defRPr lang="fr-fr"/>
-            </a:pPr>
-            <a:r>
-              <a:t>moves[moveIndex++] = mvSlice(A)</a:t>
-            </a:r>
-          </a:p>
-          <a:p>
-            <a:pPr>
-              <a:buNone/>
-              <a:defRPr lang="fr-fr"/>
-            </a:pPr>
-            <a:r>
-              <a:t>moves[moveIndex++] = mvSlice(lalpha)</a:t>
-            </a:r>
-          </a:p>
-          <a:p>
-            <a:pPr>
-              <a:buNone/>
-              <a:defRPr lang="fr-fr"/>
-            </a:pPr>
-            <a:r>
-              <a:t>moves[moveIndex++] = mvSlide(A)</a:t>
-            </a:r>
-          </a:p>
-          <a:p>
-            <a:pPr>
-              <a:buNone/>
-              <a:defRPr lang="fr-fr"/>
-            </a:pPr>
-            <a:r>
-              <a:t>moves[moveIndex++] = mvSlide(lalpha)</a:t>
-            </a:r>
-          </a:p>
-          <a:p>
-            <a:pPr>
-              <a:buNone/>
-              <a:defRPr lang="fr-fr"/>
-            </a:pPr>
-            <a:r>
-              <a:t>moves[moveIndex++] = mvScale(A)</a:t>
-            </a:r>
-          </a:p>
-        </p:txBody>
-      </p:sp>
-    </p:spTree>
-  </p:cSld>
-  <p:clrMapOvr>
-    <a:masterClrMapping/>
-  </p:clrMapOvr>
-  <p:timing>
-    <p:tnLst>
-      <p:par>
-        <p:cTn id="1" dur="indefinite" restart="never" nodeType="tmRoot"/>
-      </p:par>
-    </p:tnLst>
-  </p:timing>
-</p:sld>
-</file>
-
 <file path=ppt/slides/slide4.xml><?xml version="1.0" encoding="utf-8"?>
 <p:sld xmlns:p="http://schemas.openxmlformats.org/presentationml/2006/main" xmlns:mc="http://schemas.openxmlformats.org/markup-compatibility/2006" xmlns:p14="http://schemas.microsoft.com/office/powerpoint/2010/main" xmlns:p15="http://schemas.microsoft.com/office/powerpoint/2012/main" xmlns:r="http://schemas.openxmlformats.org/officeDocument/2006/relationships" xmlns:a="http://schemas.openxmlformats.org/drawingml/2006/main" mc:Ignorable="p14">
   <p:cSld>
@@ -13951,7 +13993,7 @@
             <a:picLocks noChangeAspect="1"/>
             <a:extLst>
               <a:ext uri="smNativeData">
-                <pr:smNativeData xmlns:pr="smNativeData" xmlns="smNativeData" val="SMDATA_17_iunWYhMAAAAlAAAAEQAAAC0AAAAAkAAAAEgAAACQAAAASAAAAAAAAAAAAAAAAAAAAAEAAABQAAAAAAAAAAAA4D8AAAAAAADgPwAAAAAAAOA/AAAAAAAA4D8AAAAAAADgPwAAAAAAAOA/AAAAAAAA4D8AAAAAAADgPwAAAAAAAOA/AAAAAAAA4D8CAAAAjAAAAAAAAAAAAAAAT4G9DP///wgAAAAAAAAAAAAAAAAAAAAAAAAAAAAAAAAAAAAAZAAAAAEAAABAAAAAAAAAAAAAAAAAAAAAAAAAAAAAAAAAAAAAAAAAAAAAAAAAAAAAAAAAAAAAAAAAAAAAAAAAAAAAAAAAAAAAAAAAAAAAAAAAAAAAAAAAAAAAAAAAAAAAFAAAADwAAAAAAAAAAAAAAAAAAAkUAAAAAQAAABQAAAAUAAAAFAAAAAEAAAAAAAAAZAAAAGQAAAAAAAAAZAAAAGQAAAAVAAAAYAAAAAAAAAAAAAAADwAAACADAAAAAAAAAAAAAAEAAACgMgAAVgcAAKr4//8BAAAAf39/AAEAAABkAAAAAAAAABQAAABAHwAAAAAAACYAAAAAAAAAwOD//wAAAAAmAAAAZAAAABYAAABMAAAAAAAAAAAAAAAEAAAAAAAAAAEAAADu7OEKAAAAACgAAAAoAAAAZAAAAGQAAAAAAAAAzMzMAAAAAABQAAAAUAAAAGQAAABkAAAAAAAAAAcAAAA4AAAAAAAAAAAAAAAAAAAA////AAAAAAAAAAAAAAAAAAAAAAAAAAAAAAAAAAAAAABkAAAAZAAAAAAAAAAjAAAABAAAAGQAAAAXAAAAFAAAAAAAAAAAAAAA/38AAP9/AAAAAAAACQAAAAQAAAAAAAAAHgAAAGgAAAAAAAAAAAAAAAAAAAAAAAAAAAAAABAnAAAQJwAAAAAAAAAAAAAAAAAAAAAAAAAAAAAAAAAAAAAAAAAAAAAUAAAAAAAAAMDA/wAAAAAAZAAAADIAAAAAAAAAZAAAAAAAAAB/f38ACgAAACIAAAAYAAAAAAAAAAAAAAAAAAAAAAAAAAAAAAAAAAAAJAAAACQAAAAAAAAABwAAAAAAAAAAAAAAAAAAAAAAAAAAAAAAAAAAAH9/fwAlAAAAWAAAAAAAAAAAAAAAAAAAAAAAAAAAAAAAAAAAAAAAAAAAAAAAAAAAAAAAAAAAAAAAPwAAAAAAAACghgEAAAAAAAAAAAAAAAAADAAAAAEAAAAAAAAAAAAAAAAAAAAfAAAAVAAAAE+BvQX///8BAAAAAAAAAAAAAAAAAAAAAAAAAAAAAAAAAAAAAAAAAAAAAAACf39/AO7s4QPMzMwAwMD/AH9/fwAAAAAAAAAAAAAAAAD///8AAAAAACEAAAAYAAAAFAAAAAEnAADICgAAcDUAAJIYAAAQAAAAJgAAAAgAAAD//////////w=="/>
+                <pr:smNativeData xmlns:pr="smNativeData" xmlns="smNativeData" val="SMDATA_17_0rbXYhMAAAAlAAAAEQAAAC0AAAAAkAAAAEgAAACQAAAASAAAAAAAAAAAAAAAAAAAAAEAAABQAAAAAAAAAAAA4D8AAAAAAADgPwAAAAAAAOA/AAAAAAAA4D8AAAAAAADgPwAAAAAAAOA/AAAAAAAA4D8AAAAAAADgPwAAAAAAAOA/AAAAAAAA4D8CAAAAjAAAAAAAAAAAAAAAT4G9DP///wgAAAAAAAAAAAAAAAAAAAAAAAAAAAAAAAAAAAAAZAAAAAEAAABAAAAAAAAAAAAAAAAAAAAAAAAAAAAAAAAAAAAAAAAAAAAAAAAAAAAAAAAAAAAAAAAAAAAAAAAAAAAAAAAAAAAAAAAAAAAAAAAAAAAAAAAAAAAAAAAAAAAAFAAAADwAAAAAAAAAAAAAAAAAAAkUAAAAAQAAABQAAAAUAAAAFAAAAAEAAAAAAAAAZAAAAGQAAAAAAAAAZAAAAGQAAAAVAAAAYAAAAAAAAAAAAAAADwAAACADAAAAAAAAAAAAAAEAAACgMgAAVgcAAKr4//8BAAAAf39/AAEAAABkAAAAAAAAABQAAABAHwAAAAAAACYAAAAAAAAAwOD//wAAAAAmAAAAZAAAABYAAABMAAAAAAAAAAAAAAAEAAAAAAAAAAEAAADu7OEKAAAAACgAAAAoAAAAZAAAAGQAAAAAAAAAzMzMAAAAAABQAAAAUAAAAGQAAABkAAAAAAAAAAcAAAA4AAAAAAAAAAAAAAAAAAAA////AAAAAAAAAAAAAAAAAAAAAAAAAAAAAAAAAAAAAABkAAAAZAAAAAAAAAAjAAAABAAAAGQAAAAXAAAAFAAAAAAAAAAAAAAA/38AAP9/AAAAAAAACQAAAAQAAAAAAAAAHgAAAGgAAAAAAAAAAAAAAAAAAAAAAAAAAAAAABAnAAAQJwAAAAAAAAAAAAAAAAAAAAAAAAAAAAAAAAAAAAAAAAAAAAAUAAAAAAAAAMDA/wAAAAAAZAAAADIAAAAAAAAAZAAAAAAAAAB/f38ACgAAACIAAAAYAAAAAAAAAAAAAAAAAAAAAAAAAAAAAAAAAAAAJAAAACQAAAAAAAAABwAAAAAAAAAAAAAAAAAAAAAAAAAAAAAAAAAAAH9/fwAlAAAAWAAAAAAAAAAAAAAAAAAAAAAAAAAAAAAAAAAAAAAAAAAAAAAAAAAAAAAAAAAAAAAAPwAAAAAAAACghgEAAAAAAAAAAAAAAAAADAAAAAEAAAAAAAAAAAAAAAAAAAAfAAAAVAAAAE+BvQX///8BAAAAAAAAAAAAAAAAAAAAAAAAAAAAAAAAAAAAAAAAAAAAAAACf39/AO7s4QPMzMwAwMD/AH9/fwAAAAAAAAAAAAAAAAD///8AAAAAACEAAAAYAAAAFAAAAAEnAADICgAAcDUAAJIYAAAQAAAAJgAAAAgAAAD//////////w=="/>
               </a:ext>
             </a:extLst>
           </p:cNvPicPr>
@@ -13985,7 +14027,7 @@
             <a:spLocks noGrp="1" noChangeArrowheads="1"/>
             <a:extLst>
               <a:ext uri="smNativeData">
-                <pr:smNativeData xmlns:pr="smNativeData" xmlns="smNativeData" val="SMDATA_15_iunWYhMAAAAlAAAAZAAAAA0AAAAAkAAAAEgAAACQAAAASAAAAAAAAAABAAAAAAAAAAEAAABQAAAAAAAAAAAA4D8AAAAAAADgPwAAAAAAAOA/AAAAAAAA4D8AAAAAAADgPwAAAAAAAOA/AAAAAAAA4D8AAAAAAADgPwAAAAAAAOA/AAAAAAAA4D8CAAAAjAAAAAAAAAAAAAAAT4G9DP///wgAAAAAAAAAAAAAAAAAAAAAAAAAAAAAAAAAAAAAZAAAAAEAAABAAAAAAAAAAAAAAAAAAAAAAAAAAAAAAAAAAAAAAAAAAAAAAAAAAAAAAAAAAAAAAAAAAAAAAAAAAAAAAAAAAAAAAAAAAAAAAAAAAAAAAAAAAAAAAAAAAAAAFAAAADwAAAAAAAAAAAAAAAAAAAkUAAAAAQAAABQAAAAUAAAAFAAAAAEAAAAAAAAAZAAAAGQAAAAAAAAAZAAAAGQAAAAVAAAAYAAAAAAAAAAAAAAADwAAACADAAAAAAAAAAAAAAEAAACgMgAAVgcAAKr4//8BAAAAf39/AAEAAABkAAAAAAAAABQAAABAHwAAAAAAACYAAAAAAAAAwOD//wAAAAAmAAAAZAAAABYAAABMAAAAAAAAAAAAAAAEAAAAAAAAAAEAAADu7OEKAAAAACgAAAAoAAAAZAAAAGQAAAAAAAAAzMzMAAAAAABQAAAAUAAAAGQAAABkAAAAAAAAABcAAAAUAAAAAAAAAAAAAAD/fwAA/38AAAAAAAAJAAAABAAAAP////8eAAAAaAAAAAAAAAAAAAAAAAAAAAAAAAAAAAAAECcAABAnAAAAAAAAAAAAAAAAAAAAAAAAAAAAAAAAAAAAAAAAAAAAABQAAAAAAAAAwMD/AAAAAABkAAAAMgAAAAAAAABkAAAAAAAAAH9/fwAKAAAAIgAAABgAAAAAAAAAAAAAAAAAAAAAAAAAAAAAAAAAAAAkAAAAJAAAAAAAAAAHAAAAAAAAAAAAAAAAAAAAAAAAAAAAAAAAAAAAf39/ACUAAABYAAAAAAAAAAAAAAAAAAAAAAAAAAAAAAAAAAAAAAAAAAAAAAAAAAAAAAAAAAAAAAA/AAAAAAAAAKCGAQAAAAAAAAAAAAAAAAAMAAAAAQAAAAAAAAAAAAAAAAAAAB8AAABUAAAAT4G9Bf///wEAAAAAAAAAAAAAAAAAAAAAAAAAAAAAAAAAAAAAAAAAAAAAAAJ/f38A7uzhA8zMzADAwP8Af39/AAAAAAAAAAAAAAAAAAAAAAAAAAAAIQAAABgAAAAUAAAA0AIAALEBAABwNQAAuQgAABAAAAAmAAAACAAAAAAAAAAAAAAA"/>
+                <pr:smNativeData xmlns:pr="smNativeData" xmlns="smNativeData" val="SMDATA_15_0rbXYhMAAAAlAAAAZAAAAA0AAAAAkAAAAEgAAACQAAAASAAAAAAAAAABAAAAAAAAAAEAAABQAAAAAAAAAAAA4D8AAAAAAADgPwAAAAAAAOA/AAAAAAAA4D8AAAAAAADgPwAAAAAAAOA/AAAAAAAA4D8AAAAAAADgPwAAAAAAAOA/AAAAAAAA4D8CAAAAjAAAAAAAAAAAAAAAT4G9DP///wgAAAAAAAAAAAAAAAAAAAAAAAAAAAAAAAAAAAAAZAAAAAEAAABAAAAAAAAAAAAAAAAAAAAAAAAAAAAAAAAAAAAAAAAAAAAAAAAAAAAAAAAAAAAAAAAAAAAAAAAAAAAAAAAAAAAAAAAAAAAAAAAAAAAAAAAAAAAAAAAAAAAAFAAAADwAAAAAAAAAAAAAAAAAAAkUAAAAAQAAABQAAAAUAAAAFAAAAAEAAAAAAAAAZAAAAGQAAAAAAAAAZAAAAGQAAAAVAAAAYAAAAAAAAAAAAAAADwAAACADAAAAAAAAAAAAAAEAAACgMgAAVgcAAKr4//8BAAAAf39/AAEAAABkAAAAAAAAABQAAABAHwAAAAAAACYAAAAAAAAAwOD//wAAAAAmAAAAZAAAABYAAABMAAAAAAAAAAAAAAAEAAAAAAAAAAEAAADu7OEKAAAAACgAAAAoAAAAZAAAAGQAAAAAAAAAzMzMAAAAAABQAAAAUAAAAGQAAABkAAAAAAAAABcAAAAUAAAAAAAAAAAAAAD/fwAA/38AAAAAAAAJAAAABAAAAP////8eAAAAaAAAAAAAAAAAAAAAAAAAAAAAAAAAAAAAECcAABAnAAAAAAAAAAAAAAAAAAAAAAAAAAAAAAAAAAAAAAAAAAAAABQAAAAAAAAAwMD/AAAAAABkAAAAMgAAAAAAAABkAAAAAAAAAH9/fwAKAAAAIgAAABgAAAAAAAAAAAAAAAAAAAAAAAAAAAAAAAAAAAAkAAAAJAAAAAAAAAAHAAAAAAAAAAAAAAAAAAAAAAAAAAAAAAAAAAAAf39/ACUAAABYAAAAAAAAAAAAAAAAAAAAAAAAAAAAAAAAAAAAAAAAAAAAAAAAAAAAAAAAAAAAAAA/AAAAAAAAAKCGAQAAAAAAAAAAAAAAAAAMAAAAAQAAAAAAAAAAAAAAAAAAAB8AAABUAAAAT4G9Bf///wEAAAAAAAAAAAAAAAAAAAAAAAAAAAAAAAAAAAAAAAAAAAAAAAJ/f38A7uzhA8zMzADAwP8Af39/AAAAAAAAAAAAAAAAAAAAAAAAAAAAIQAAABgAAAAUAAAA0AIAALEBAABwNQAAuQgAABAAAAAmAAAACAAAAAAAAAAAAAAA"/>
               </a:ext>
             </a:extLst>
           </p:cNvSpPr>
@@ -14014,7 +14056,7 @@
             <a:spLocks noGrp="1" noChangeArrowheads="1"/>
             <a:extLst>
               <a:ext uri="smNativeData">
-                <pr:smNativeData xmlns:pr="smNativeData" xmlns="smNativeData" val="SMDATA_15_iunWYhMAAAAlAAAAZAAAAA0AAAAAkAAAAEgAAACQAAAASAAAAAAAAAAAAAAAAAAAAAEAAABQAAAAAAAAAAAA4D8AAAAAAADgPwAAAAAAAOA/AAAAAAAA4D8AAAAAAADgPwAAAAAAAOA/AAAAAAAA4D8AAAAAAADgPwAAAAAAAOA/AAAAAAAA4D8CAAAAjAAAAAAAAAAAAAAAT4G9DP///wgAAAAAAAAAAAAAAAAAAAAAAAAAAAAAAAAAAAAAZAAAAAEAAABAAAAAAAAAAAAAAAAAAAAAAAAAAAAAAAAAAAAAAAAAAAAAAAAAAAAAAAAAAAAAAAAAAAAAAAAAAAAAAAAAAAAAAAAAAAAAAAAAAAAAAAAAAAAAAAAAAAAAFAAAADwAAAAAAAAAAAAAAAAAAAkUAAAAAQAAABQAAAAUAAAAFAAAAAEAAAAAAAAAZAAAAGQAAAAAAAAAZAAAAGQAAAAVAAAAYAAAAAAAAAAAAAAADwAAACADAAAAAAAAAAAAAAEAAACgMgAAVgcAAKr4//8BAAAAf39/AAEAAABkAAAAAAAAABQAAABAHwAAAAAAACYAAAAAAAAAwOD//wAAAAAmAAAAZAAAABYAAABMAAAAAAAAAAAAAAAEAAAAAAAAAAEAAADu7OEKAAAAACgAAAAoAAAAZAAAAGQAAAAAAAAAzMzMAAAAAABQAAAAUAAAAGQAAABkAAAAAAAAABcAAAAUAAAAAAAAAAAAAAD/fwAA/38AAAAAAAAJAAAABAAAAEFBQUEeAAAAaAAAAAAAAAAAAAAAAAAAAAAAAAAAAAAAECcAABAnAAAAAAAAAAAAAAAAAAAAAAAAAAAAAAAAAAAAAAAAAAAAABQAAAAAAAAAwMD/AAAAAABkAAAAMgAAAAAAAABkAAAAAAAAAH9/fwAKAAAAIgAAABgAAAAAAAAAAAAAAAAAAAAAAAAAAAAAAAAAAAAkAAAAJAAAAAAAAAAHAAAAAAAAAAAAAAAAAAAAAAAAAAAAAAAAAAAAf39/ACUAAABYAAAAAAAAAAAAAAAAAAAAAAAAAAAAAAAAAAAAAAAAAAAAAAAAAAAAAAAAAAAAAAA/AAAAAAAAAKCGAQAAAAAAAAAAAAAAAAAMAAAAAQAAAAAAAAAAAAAAAAAAAB8AAABUAAAAT4G9Bf///wEAAAAAAAAAAAAAAAAAAAAAAAAAAAAAAAAAAAAAAAAAAAAAAAJ/f38A7uzhA8zMzADAwP8Af39/AAAAAAAAAAAAAAAAAAAAAAAAAAAAIQAAABgAAAAUAAAA0AIAANgJAAAwKgAAyCgAABAAAAAmAAAACAAAAAEAAAAAAAAA"/>
+                <pr:smNativeData xmlns:pr="smNativeData" xmlns="smNativeData" val="SMDATA_15_0rbXYhMAAAAlAAAAZAAAAA0AAAAAkAAAAEgAAACQAAAASAAAAAAAAAAAAAAAAAAAAAEAAABQAAAAAAAAAAAA4D8AAAAAAADgPwAAAAAAAOA/AAAAAAAA4D8AAAAAAADgPwAAAAAAAOA/AAAAAAAA4D8AAAAAAADgPwAAAAAAAOA/AAAAAAAA4D8CAAAAjAAAAAAAAAAAAAAAT4G9DP///wgAAAAAAAAAAAAAAAAAAAAAAAAAAAAAAAAAAAAAZAAAAAEAAABAAAAAAAAAAAAAAAAAAAAAAAAAAAAAAAAAAAAAAAAAAAAAAAAAAAAAAAAAAAAAAAAAAAAAAAAAAAAAAAAAAAAAAAAAAAAAAAAAAAAAAAAAAAAAAAAAAAAAFAAAADwAAAAAAAAAAAAAAAAAAAkUAAAAAQAAABQAAAAUAAAAFAAAAAEAAAAAAAAAZAAAAGQAAAAAAAAAZAAAAGQAAAAVAAAAYAAAAAAAAAAAAAAADwAAACADAAAAAAAAAAAAAAEAAACgMgAAVgcAAKr4//8BAAAAf39/AAEAAABkAAAAAAAAABQAAABAHwAAAAAAACYAAAAAAAAAwOD//wAAAAAmAAAAZAAAABYAAABMAAAAAAAAAAAAAAAEAAAAAAAAAAEAAADu7OEKAAAAACgAAAAoAAAAZAAAAGQAAAAAAAAAzMzMAAAAAABQAAAAUAAAAGQAAABkAAAAAAAAABcAAAAUAAAAAAAAAAAAAAD/fwAA/38AAAAAAAAJAAAABAAAAEFBQUEeAAAAaAAAAAAAAAAAAAAAAAAAAAAAAAAAAAAAECcAABAnAAAAAAAAAAAAAAAAAAAAAAAAAAAAAAAAAAAAAAAAAAAAABQAAAAAAAAAwMD/AAAAAABkAAAAMgAAAAAAAABkAAAAAAAAAH9/fwAKAAAAIgAAABgAAAAAAAAAAAAAAAAAAAAAAAAAAAAAAAAAAAAkAAAAJAAAAAAAAAAHAAAAAAAAAAAAAAAAAAAAAAAAAAAAAAAAAAAAf39/ACUAAABYAAAAAAAAAAAAAAAAAAAAAAAAAAAAAAAAAAAAAAAAAAAAAAAAAAAAAAAAAAAAAAA/AAAAAAAAAKCGAQAAAAAAAAAAAAAAAAAMAAAAAQAAAAAAAAAAAAAAAAAAAB8AAABUAAAAT4G9Bf///wEAAAAAAAAAAAAAAAAAAAAAAAAAAAAAAAAAAAAAAAAAAAAAAAJ/f38A7uzhA8zMzADAwP8Af39/AAAAAAAAAAAAAAAAAAAAAAAAAAAAIQAAABgAAAAUAAAA0AIAANgJAAAwKgAAyCgAABAAAAAmAAAACAAAAAEAAAAAAAAA"/>
               </a:ext>
             </a:extLst>
           </p:cNvSpPr>
@@ -14090,7 +14132,7 @@
           <p:cNvSpPr>
             <a:extLst>
               <a:ext uri="smNativeData">
-                <pr:smNativeData xmlns:pr="smNativeData" xmlns="smNativeData" val="SMDATA_15_iunWYhMAAAAlAAAAZgAAAA0AAAAAkAAAAEgAAACQAAAASAAAAAAAAAABAAAAAAAAAAEAAABQAAAAAAAAAAAA8D8AAAAAAADwPwAAAAAAAOA/AAAAAAAA4D8AAAAAAADgPwAAAAAAAOA/AAAAAAAA4D8AAAAAAADgPwAAAAAAAOA/AAAAAAAA4D8CAAAAjAAAAAEAAAAAAAAAwFBNAKbC/wAAAAAAAAAAAAAAAAAAAAAAAAAAAAAAAAAAAAAAZAAAAAEAAABAAAAAAAAAAJz///9aAAAAAAAAAAAAAAAAAAAAAAAAAAAAAAAAAAAAAAAAAAAAAAAAAAAAAAAAAAAAAAAAAAAAAAAAAAAAAAAAAAAAAAAAAAAAAAAAAAAAFAAAADwAAAAAAAAAAAAAAEl9vAAPAAAAAQAAABQAAAAUAAAAFAAAAAEAAAAAAAAAZAAAAGQAAAAAAAAAZAAAAGQAAAAVAAAAYAAAAAAAAAAAAAAADwAAACADAAAAAAAAAAAAAAEAAACgMgAAVgcAAKr4//8BAAAAf39/AAEAAABkAAAAAAAAABQAAABAHwAAAAAAACYAAAAAAAAAwOD//wAAAAAmAAAAZAAAABYAAABMAAAAAAAAAAAAAAAEAAAAAAAAAAEAAADu7OEKAAAAACgAAAAoAAAAZAAAAGQAAAAAAAAAzMzMAAAAAABQAAAAUAAAAGQAAABkAAAAAAAAABcAAAAUAAAAAAAAAAAAAAD/fwAA/38AAAAAAAAJAAAABAAAAAAAAHAeAAAAaAAAAAAAAAAAAAAAAAAAAAAAAAAAAAAAECcAABAnAAAAAAAAAAAAAAAAAAAAAAAAAAAAAAAAAAAAAAAAAAAAABQAAAAAAAAAwMD/AAAAAABkAAAAMgAAAAAAAABkAAAAAAAAAH9/fwAKAAAAIgAAABgAAAAAAAAAAAAAAAAAAAAAAAAAAAAAAAAAAAAkAAAAJAAAAAAAAAAHAAAAAAAAAAAAAAAAAAAAAAAAAAAAAAAAAAAAf39/ACUAAABYAAAAAAAAAAAAAAAAAAAAAAAAAAAAAAAAAAAAAAAAAAAAAAAAAAAAAAAAAAAAAAA/AAAAAAAAAKCGAQAAAAAAAAAAAAAAAAAMAAAAAQAAAAAAAAAAAAAAAAAAAB8AAABUAAAAwFBNAKbC/wAAAAAAAAAAAAAAAAAAAAAAAAAAAAAAAAAAAAAAAAAAAEl9vAB/f38A7uzhA8zMzADAwP8Af39/AAAAAAAAAAAAAAAAAAAAAAAAAAAAIQAAABgAAAAUAAAA5CoAAOAQAADdLAAAwBIAABAAAAAmAAAACAAAAP//////////"/>
+                <pr:smNativeData xmlns:pr="smNativeData" xmlns="smNativeData" val="SMDATA_15_0rbXYhMAAAAlAAAAZgAAAA0AAAAAkAAAAEgAAACQAAAASAAAAAAAAAABAAAAAAAAAAEAAABQAAAAAAAAAAAA8D8AAAAAAADwPwAAAAAAAOA/AAAAAAAA4D8AAAAAAADgPwAAAAAAAOA/AAAAAAAA4D8AAAAAAADgPwAAAAAAAOA/AAAAAAAA4D8CAAAAjAAAAAEAAAAAAAAAwFBNAKbC/wAAAAAAAAAAAAAAAAAAAAAAAAAAAAAAAAAAAAAAZAAAAAEAAABAAAAAAAAAAJz///9aAAAAAAAAAAAAAAAAAAAAAAAAAAAAAAAAAAAAAAAAAAAAAAAAAAAAAAAAAAAAAAAAAAAAAAAAAAAAAAAAAAAAAAAAAAAAAAAAAAAAFAAAADwAAAAAAAAAAAAAAEl9vAAPAAAAAQAAABQAAAAUAAAAFAAAAAEAAAAAAAAAZAAAAGQAAAAAAAAAZAAAAGQAAAAVAAAAYAAAAAAAAAAAAAAADwAAACADAAAAAAAAAAAAAAEAAACgMgAAVgcAAKr4//8BAAAAf39/AAEAAABkAAAAAAAAABQAAABAHwAAAAAAACYAAAAAAAAAwOD//wAAAAAmAAAAZAAAABYAAABMAAAAAAAAAAAAAAAEAAAAAAAAAAEAAADu7OEKAAAAACgAAAAoAAAAZAAAAGQAAAAAAAAAzMzMAAAAAABQAAAAUAAAAGQAAABkAAAAAAAAABcAAAAUAAAAAAAAAAAAAAD/fwAA/38AAAAAAAAJAAAABAAAAAAAAHAeAAAAaAAAAAAAAAAAAAAAAAAAAAAAAAAAAAAAECcAABAnAAAAAAAAAAAAAAAAAAAAAAAAAAAAAAAAAAAAAAAAAAAAABQAAAAAAAAAwMD/AAAAAABkAAAAMgAAAAAAAABkAAAAAAAAAH9/fwAKAAAAIgAAABgAAAAAAAAAAAAAAAAAAAAAAAAAAAAAAAAAAAAkAAAAJAAAAAAAAAAHAAAAAAAAAAAAAAAAAAAAAAAAAAAAAAAAAAAAf39/ACUAAABYAAAAAAAAAAAAAAAAAAAAAAAAAAAAAAAAAAAAAAAAAAAAAAAAAAAAAAAAAAAAAAA/AAAAAAAAAKCGAQAAAAAAAAAAAAAAAAAMAAAAAQAAAAAAAAAAAAAAAAAAAB8AAABUAAAAwFBNAKbC/wAAAAAAAAAAAAAAAAAAAAAAAAAAAAAAAAAAAAAAAAAAAEl9vAB/f38A7uzhA8zMzADAwP8Af39/AAAAAAAAAAAAAAAAAAAAAAAAAAAAIQAAABgAAAAUAAAA5CoAAOAQAADdLAAAwBIAABAAAAAmAAAACAAAAP//////////"/>
               </a:ext>
             </a:extLst>
           </p:cNvSpPr>
@@ -14132,7 +14174,7 @@
           <p:cNvSpPr>
             <a:extLst>
               <a:ext uri="smNativeData">
-                <pr:smNativeData xmlns:pr="smNativeData" xmlns="smNativeData" val="SMDATA_15_iunWYhMAAAAlAAAAZgAAAA0AAAAAkAAAAEgAAACQAAAASAAAAAAAAAABAAAAAAAAAAEAAABQAAAAAAAAAAAA8D8AAAAAAADwPwAAAAAAAOA/AAAAAAAA4D8AAAAAAADgPwAAAAAAAOA/AAAAAAAA4D8AAAAAAADgPwAAAAAAAOA/AAAAAAAA4D8CAAAAjAAAAAEAAAAAAAAAH0l9C6bC/wAAAAAAAAAAAAAAAAAAAAAAAAAAAAAAAAAAAAAAZAAAAAEAAABAAAAAAAAAAJz///9aAAAAAAAAAAAAAAAAAAAAAAAAAAAAAAAAAAAAAAAAAAAAAAAAAAAAAAAAAAAAAAAAAAAAAAAAAAAAAAAAAAAAAAAAAAAAAAAAAAAAFAAAADwAAAAAAAAAAAAAAEl9vAAPAAAAAQAAABQAAAAUAAAAFAAAAAEAAAAAAAAAZAAAAGQAAAAAAAAAZAAAAGQAAAAVAAAAYAAAAAAAAAAAAAAADwAAACADAAAAAAAAAAAAAAEAAACgMgAAVgcAAKr4//8BAAAAf39/AAEAAABkAAAAAAAAABQAAABAHwAAAAAAACYAAAAAAAAAwOD//wAAAAAmAAAAZAAAABYAAABMAAAAAAAAAAAAAAAEAAAAAAAAAAEAAADu7OEKAAAAACgAAAAoAAAAZAAAAGQAAAAAAAAAzMzMAAAAAABQAAAAUAAAAGQAAABkAAAAAAAAABcAAAAUAAAAAAAAAAAAAAD/fwAA/38AAAAAAAAJAAAABAAAAAMhAy0eAAAAaAAAAAAAAAAAAAAAAAAAAAAAAAAAAAAAECcAABAnAAAAAAAAAAAAAAAAAAAAAAAAAAAAAAAAAAAAAAAAAAAAABQAAAAAAAAAwMD/AAAAAABkAAAAMgAAAAAAAABkAAAAAAAAAH9/fwAKAAAAIgAAABgAAAAAAAAAAAAAAAAAAAAAAAAAAAAAAAAAAAAkAAAAJAAAAAAAAAAHAAAAAAAAAAAAAAAAAAAAAAAAAAAAAAAAAAAAf39/ACUAAABYAAAAAAAAAAAAAAAAAAAAAAAAAAAAAAAAAAAAAAAAAAAAAAAAAAAAAAAAAAAAAAA/AAAAAAAAAKCGAQAAAAAAAAAAAAAAAAAMAAAAAQAAAAAAAAAAAAAAAAAAAB8AAABUAAAAH0l9BKbC/wAAAAAAAAAAAAAAAAAAAAAAAAAAAAAAAAAAAAAAAAAAAEl9vAB/f38A7uzhA8zMzADAwP8Af39/AAAAAAAAAAAAAAAAAAAAAAAAAAAAIQAAABgAAAAUAAAAVSgAAPQVAABOKgAA1BcAABAAAAAmAAAACAAAAP//////////"/>
+                <pr:smNativeData xmlns:pr="smNativeData" xmlns="smNativeData" val="SMDATA_15_0rbXYhMAAAAlAAAAZgAAAA0AAAAAkAAAAEgAAACQAAAASAAAAAAAAAABAAAAAAAAAAEAAABQAAAAAAAAAAAA8D8AAAAAAADwPwAAAAAAAOA/AAAAAAAA4D8AAAAAAADgPwAAAAAAAOA/AAAAAAAA4D8AAAAAAADgPwAAAAAAAOA/AAAAAAAA4D8CAAAAjAAAAAEAAAAAAAAAH0l9C6bC/wAAAAAAAAAAAAAAAAAAAAAAAAAAAAAAAAAAAAAAZAAAAAEAAABAAAAAAAAAAJz///9aAAAAAAAAAAAAAAAAAAAAAAAAAAAAAAAAAAAAAAAAAAAAAAAAAAAAAAAAAAAAAAAAAAAAAAAAAAAAAAAAAAAAAAAAAAAAAAAAAAAAFAAAADwAAAAAAAAAAAAAAEl9vAAPAAAAAQAAABQAAAAUAAAAFAAAAAEAAAAAAAAAZAAAAGQAAAAAAAAAZAAAAGQAAAAVAAAAYAAAAAAAAAAAAAAADwAAACADAAAAAAAAAAAAAAEAAACgMgAAVgcAAKr4//8BAAAAf39/AAEAAABkAAAAAAAAABQAAABAHwAAAAAAACYAAAAAAAAAwOD//wAAAAAmAAAAZAAAABYAAABMAAAAAAAAAAAAAAAEAAAAAAAAAAEAAADu7OEKAAAAACgAAAAoAAAAZAAAAGQAAAAAAAAAzMzMAAAAAABQAAAAUAAAAGQAAABkAAAAAAAAABcAAAAUAAAAAAAAAAAAAAD/fwAA/38AAAAAAAAJAAAABAAAAAMhAy0eAAAAaAAAAAAAAAAAAAAAAAAAAAAAAAAAAAAAECcAABAnAAAAAAAAAAAAAAAAAAAAAAAAAAAAAAAAAAAAAAAAAAAAABQAAAAAAAAAwMD/AAAAAABkAAAAMgAAAAAAAABkAAAAAAAAAH9/fwAKAAAAIgAAABgAAAAAAAAAAAAAAAAAAAAAAAAAAAAAAAAAAAAkAAAAJAAAAAAAAAAHAAAAAAAAAAAAAAAAAAAAAAAAAAAAAAAAAAAAf39/ACUAAABYAAAAAAAAAAAAAAAAAAAAAAAAAAAAAAAAAAAAAAAAAAAAAAAAAAAAAAAAAAAAAAA/AAAAAAAAAKCGAQAAAAAAAAAAAAAAAAAMAAAAAQAAAAAAAAAAAAAAAAAAAB8AAABUAAAAH0l9BKbC/wAAAAAAAAAAAAAAAAAAAAAAAAAAAAAAAAAAAAAAAAAAAEl9vAB/f38A7uzhA8zMzADAwP8Af39/AAAAAAAAAAAAAAAAAAAAAAAAAAAAIQAAABgAAAAUAAAAVSgAAPQVAABOKgAA1BcAABAAAAAmAAAACAAAAP//////////"/>
               </a:ext>
             </a:extLst>
           </p:cNvSpPr>
@@ -14174,7 +14216,7 @@
           <p:cNvSpPr>
             <a:extLst>
               <a:ext uri="smNativeData">
-                <pr:smNativeData xmlns:pr="smNativeData" xmlns="smNativeData" val="SMDATA_15_iunWYhMAAAAlAAAAZgAAAA0AAAAAkAAAAEgAAACQAAAASAAAAAAAAAABAAAAAAAAAAEAAABQAAAAAAAAAAAA8D8AAAAAAADwPwAAAAAAAOA/AAAAAAAA4D8AAAAAAADgPwAAAAAAAOA/AAAAAAAA4D8AAAAAAADgPwAAAAAAAOA/AAAAAAAA4D8CAAAAjAAAAAEAAAAAAAAAm7tZAKbC/wAAAAAAAAAAAAAAAAAAAAAAAAAAAAAAAAAAAAAAZAAAAAEAAABAAAAAAAAAAJz///9aAAAAAAAAAAAAAAAAAAAAAAAAAAAAAAAAAAAAAAAAAAAAAAAAAAAAAAAAAAAAAAAAAAAAAAAAAAAAAAAAAAAAAAAAAAAAAAAAAAAAFAAAADwAAAAAAAAAAAAAAEl9vAAPAAAAAQAAABQAAAAUAAAAFAAAAAEAAAAAAAAAZAAAAGQAAAAAAAAAZAAAAGQAAAAVAAAAYAAAAAAAAAAAAAAADwAAACADAAAAAAAAAAAAAAEAAACgMgAAVgcAAKr4//8BAAAAf39/AAEAAABkAAAAAAAAABQAAABAHwAAAAAAACYAAAAAAAAAwOD//wAAAAAmAAAAZAAAABYAAABMAAAAAAAAAAAAAAAEAAAAAAAAAAEAAADu7OEKAAAAACgAAAAoAAAAZAAAAGQAAAAAAAAAzMzMAAAAAABQAAAAUAAAAGQAAABkAAAAAAAAABcAAAAUAAAAAAAAAAAAAAD/fwAA/38AAAAAAAAJAAAABAAAAGJJYpweAAAAaAAAAAAAAAAAAAAAAAAAAAAAAAAAAAAAECcAABAnAAAAAAAAAAAAAAAAAAAAAAAAAAAAAAAAAAAAAAAAAAAAABQAAAAAAAAAwMD/AAAAAABkAAAAMgAAAAAAAABkAAAAAAAAAH9/fwAKAAAAIgAAABgAAAAAAAAAAAAAAAAAAAAAAAAAAAAAAAAAAAAkAAAAJAAAAAAAAAAHAAAAAAAAAAAAAAAAAAAAAAAAAAAAAAAAAAAAf39/ACUAAABYAAAAAAAAAAAAAAAAAAAAAAAAAAAAAAAAAAAAAAAAAAAAAAAAAAAAAAAAAAAAAAA/AAAAAAAAAKCGAQAAAAAAAAAAAAAAAAAMAAAAAQAAAAAAAAAAAAAAAAAAAB8AAABUAAAAm7tZAKbC/wAAAAAAAAAAAAAAAAAAAAAAAAAAAAAAAAAAAAAAAAAAAEl9vAB/f38A7uzhA8zMzADAwP8Af39/AAAAAAAAAAAAAAAAAAAAAAAAAAAAIQAAABgAAAAUAAAAbi0AAPQVAABnLwAA1BcAABAAAAAmAAAACAAAAP//////////"/>
+                <pr:smNativeData xmlns:pr="smNativeData" xmlns="smNativeData" val="SMDATA_15_0rbXYhMAAAAlAAAAZgAAAA0AAAAAkAAAAEgAAACQAAAASAAAAAAAAAABAAAAAAAAAAEAAABQAAAAAAAAAAAA8D8AAAAAAADwPwAAAAAAAOA/AAAAAAAA4D8AAAAAAADgPwAAAAAAAOA/AAAAAAAA4D8AAAAAAADgPwAAAAAAAOA/AAAAAAAA4D8CAAAAjAAAAAEAAAAAAAAAm7tZAKbC/wAAAAAAAAAAAAAAAAAAAAAAAAAAAAAAAAAAAAAAZAAAAAEAAABAAAAAAAAAAJz///9aAAAAAAAAAAAAAAAAAAAAAAAAAAAAAAAAAAAAAAAAAAAAAAAAAAAAAAAAAAAAAAAAAAAAAAAAAAAAAAAAAAAAAAAAAAAAAAAAAAAAFAAAADwAAAAAAAAAAAAAAEl9vAAPAAAAAQAAABQAAAAUAAAAFAAAAAEAAAAAAAAAZAAAAGQAAAAAAAAAZAAAAGQAAAAVAAAAYAAAAAAAAAAAAAAADwAAACADAAAAAAAAAAAAAAEAAACgMgAAVgcAAKr4//8BAAAAf39/AAEAAABkAAAAAAAAABQAAABAHwAAAAAAACYAAAAAAAAAwOD//wAAAAAmAAAAZAAAABYAAABMAAAAAAAAAAAAAAAEAAAAAAAAAAEAAADu7OEKAAAAACgAAAAoAAAAZAAAAGQAAAAAAAAAzMzMAAAAAABQAAAAUAAAAGQAAABkAAAAAAAAABcAAAAUAAAAAAAAAAAAAAD/fwAA/38AAAAAAAAJAAAABAAAAGJJYpweAAAAaAAAAAAAAAAAAAAAAAAAAAAAAAAAAAAAECcAABAnAAAAAAAAAAAAAAAAAAAAAAAAAAAAAAAAAAAAAAAAAAAAABQAAAAAAAAAwMD/AAAAAABkAAAAMgAAAAAAAABkAAAAAAAAAH9/fwAKAAAAIgAAABgAAAAAAAAAAAAAAAAAAAAAAAAAAAAAAAAAAAAkAAAAJAAAAAAAAAAHAAAAAAAAAAAAAAAAAAAAAAAAAAAAAAAAAAAAf39/ACUAAABYAAAAAAAAAAAAAAAAAAAAAAAAAAAAAAAAAAAAAAAAAAAAAAAAAAAAAAAAAAAAAAA/AAAAAAAAAKCGAQAAAAAAAAAAAAAAAAAMAAAAAQAAAAAAAAAAAAAAAAAAAB8AAABUAAAAm7tZAKbC/wAAAAAAAAAAAAAAAAAAAAAAAAAAAAAAAAAAAAAAAAAAAEl9vAB/f38A7uzhA8zMzADAwP8Af39/AAAAAAAAAAAAAAAAAAAAAAAAAAAAIQAAABgAAAAUAAAAbi0AAPQVAABnLwAA1BcAABAAAAAmAAAACAAAAP//////////"/>
               </a:ext>
             </a:extLst>
           </p:cNvSpPr>
@@ -14249,7 +14291,143 @@
             <a:spLocks noGrp="1" noChangeArrowheads="1"/>
             <a:extLst>
               <a:ext uri="smNativeData">
-                <pr:smNativeData xmlns:pr="smNativeData" xmlns="smNativeData" val="SMDATA_15_iunWYhMAAAAlAAAAZAAAAA0AAAAAkAAAAEgAAACQAAAASAAAAAAAAAABAAAAAAAAAAEAAABQAAAAAAAAAAAA4D8AAAAAAADgPwAAAAAAAOA/AAAAAAAA4D8AAAAAAADgPwAAAAAAAOA/AAAAAAAA4D8AAAAAAADgPwAAAAAAAOA/AAAAAAAA4D8CAAAAjAAAAAAAAAAAAAAAT4G9DP///wgAAAAAAAAAAAAAAAAAAAAAAAAAAAAAAAAAAAAAZAAAAAEAAABAAAAAAAAAAAAAAAAAAAAAAAAAAAAAAAAAAAAAAAAAAAAAAAAAAAAAAAAAAAAAAAAAAAAAAAAAAAAAAAAAAAAAAAAAAAAAAAAAAAAAAAAAAAAAAAAAAAAAFAAAADwAAAAAAAAAAAAAAAAAAAkUAAAAAQAAABQAAAAUAAAAFAAAAAEAAAAAAAAAZAAAAGQAAAAAAAAAZAAAAGQAAAAVAAAAYAAAAAAAAAAAAAAADwAAACADAAAAAAAAAAAAAAEAAACgMgAAVgcAAKr4//8BAAAAf39/AAEAAABkAAAAAAAAABQAAABAHwAAAAAAACYAAAAAAAAAwOD//wAAAAAmAAAAZAAAABYAAABMAAAAAAAAAAAAAAAEAAAAAAAAAAEAAADu7OEKAAAAACgAAAAoAAAAZAAAAGQAAAAAAAAAzMzMAAAAAABQAAAAUAAAAGQAAABkAAAAAAAAABcAAAAUAAAAAAAAAAAAAAD/fwAA/38AAAAAAAAJAAAABAAAAAZfBl4eAAAAaAAAAAAAAAAAAAAAAAAAAAAAAAAAAAAAECcAABAnAAAAAAAAAAAAAAAAAAAAAAAAAAAAAAAAAAAAAAAAAAAAABQAAAAAAAAAwMD/AAAAAABkAAAAMgAAAAAAAABkAAAAAAAAAH9/fwAKAAAAIgAAABgAAAAAAAAAAAAAAAAAAAAAAAAAAAAAAAAAAAAkAAAAJAAAAAAAAAAHAAAAAAAAAAAAAAAAAAAAAAAAAAAAAAAAAAAAf39/ACUAAABYAAAAAAAAAAAAAAAAAAAAAAAAAAAAAAAAAAAAAAAAAAAAAAAAAAAAAAAAAAAAAAA/AAAAAAAAAKCGAQAAAAAAAAAAAAAAAAAMAAAAAQAAAAAAAAAAAAAAAAAAAB8AAABUAAAAT4G9Bf///wEAAAAAAAAAAAAAAAAAAAAAAAAAAAAAAAAAAAAAAAAAAAAAAAJ/f38A7uzhA8zMzADAwP8Af39/AAAAAAAAAAAAAAAAAAAAAAAAAAAAIQAAABgAAAAUAAAA0AIAAAAAAABwNQAACAcAABAAAAAmAAAACAAAAAEgAAAAAAAA"/>
+                <pr:smNativeData xmlns:pr="smNativeData" xmlns="smNativeData" val="SMDATA_15_0rbXYhMAAAAlAAAAZAAAAA0AAAAAkAAAAEgAAACQAAAASAAAAAAAAAABAAAAAAAAAAEAAABQAAAAAAAAAAAA4D8AAAAAAADgPwAAAAAAAOA/AAAAAAAA4D8AAAAAAADgPwAAAAAAAOA/AAAAAAAA4D8AAAAAAADgPwAAAAAAAOA/AAAAAAAA4D8CAAAAjAAAAAAAAAAAAAAAT4G9DP///wgAAAAAAAAAAAAAAAAAAAAAAAAAAAAAAAAAAAAAZAAAAAEAAABAAAAAAAAAAAAAAAAAAAAAAAAAAAAAAAAAAAAAAAAAAAAAAAAAAAAAAAAAAAAAAAAAAAAAAAAAAAAAAAAAAAAAAAAAAAAAAAAAAAAAAAAAAAAAAAAAAAAAFAAAADwAAAAAAAAAAAAAAAAAAAkUAAAAAQAAABQAAAAUAAAAFAAAAAEAAAAAAAAAZAAAAGQAAAAAAAAAZAAAAGQAAAAVAAAAYAAAAAAAAAAAAAAADwAAACADAAAAAAAAAAAAAAEAAACgMgAAVgcAAKr4//8BAAAAf39/AAEAAABkAAAAAAAAABQAAABAHwAAAAAAACYAAAAAAAAAwOD//wAAAAAmAAAAZAAAABYAAABMAAAAAAAAAAAAAAAEAAAAAAAAAAEAAADu7OEKAAAAACgAAAAoAAAAZAAAAGQAAAAAAAAAzMzMAAAAAABQAAAAUAAAAGQAAABkAAAAAAAAABcAAAAUAAAAAAAAAAAAAAD/fwAA/38AAAAAAAAJAAAABAAAAAAAAAEeAAAAaAAAAAAAAAAAAAAAAAAAAAAAAAAAAAAAECcAABAnAAAAAAAAAAAAAAAAAAAAAAAAAAAAAAAAAAAAAAAAAAAAABQAAAAAAAAAwMD/AAAAAABkAAAAMgAAAAAAAABkAAAAAAAAAH9/fwAKAAAAIgAAABgAAAAAAAAAAAAAAAAAAAAAAAAAAAAAAAAAAAAkAAAAJAAAAAAAAAAHAAAAAAAAAAAAAAAAAAAAAAAAAAAAAAAAAAAAf39/ACUAAABYAAAAAAAAAAAAAAAAAAAAAAAAAAAAAAAAAAAAAAAAAAAAAAAAAAAAAAAAAAAAAAA/AAAAAAAAAKCGAQAAAAAAAAAAAAAAAAAMAAAAAQAAAAAAAAAAAAAAAAAAAB8AAABUAAAAT4G9Bf///wEAAAAAAAAAAAAAAAAAAAAAAAAAAAAAAAAAAAAAAAAAAAAAAAJ/f38A7uzhA8zMzADAwP8Af39/AAAAAAAAAAAAAAAAAAAAAAAAAAAAIQAAABgAAAAUAAAA0AIAALEBAABwNQAAuQgAABAAAAAmAAAACAAAAAAAAAAAAAAA"/>
+              </a:ext>
+            </a:extLst>
+          </p:cNvSpPr>
+          <p:nvPr>
+            <p:ph type="title"/>
+          </p:nvPr>
+        </p:nvSpPr>
+        <p:spPr/>
+        <p:txBody>
+          <a:bodyPr/>
+          <a:lstStyle/>
+          <a:p>
+            <a:pPr>
+              <a:defRPr lang="fr-fr"/>
+            </a:pPr>
+            <a:r>
+              <a:t>Combining moves</a:t>
+            </a:r>
+          </a:p>
+        </p:txBody>
+      </p:sp>
+      <p:sp>
+        <p:nvSpPr>
+          <p:cNvPr id="3" name="Espace réservé du contenu 2"/>
+          <p:cNvSpPr>
+            <a:spLocks noGrp="1" noChangeArrowheads="1"/>
+            <a:extLst>
+              <a:ext uri="smNativeData">
+                <pr:smNativeData xmlns:pr="smNativeData" xmlns="smNativeData" val="SMDATA_15_0rbXYhMAAAAlAAAAZAAAAA0AAAAAkAAAAEgAAACQAAAASAAAAAAAAAAAAAAAAAAAAAEAAABQAAAAAAAAAAAA4D8AAAAAAADgPwAAAAAAAOA/AAAAAAAA4D8AAAAAAADgPwAAAAAAAOA/AAAAAAAA4D8AAAAAAADgPwAAAAAAAOA/AAAAAAAA4D8CAAAAjAAAAAAAAAAAAAAAT4G9DP///wgAAAAAAAAAAAAAAAAAAAAAAAAAAAAAAAAAAAAAZAAAAAEAAABAAAAAAAAAAAAAAAAAAAAAAAAAAAAAAAAAAAAAAAAAAAAAAAAAAAAAAAAAAAAAAAAAAAAAAAAAAAAAAAAAAAAAAAAAAAAAAAAAAAAAAAAAAAAAAAAAAAAAFAAAADwAAAAAAAAAAAAAAAAAAAkUAAAAAQAAABQAAAAUAAAAFAAAAAEAAAAAAAAAZAAAAGQAAAAAAAAAZAAAAGQAAAAVAAAAYAAAAAAAAAAAAAAADwAAACADAAAAAAAAAAAAAAEAAACgMgAAVgcAAKr4//8BAAAAf39/AAEAAABkAAAAAAAAABQAAABAHwAAAAAAACYAAAAAAAAAwOD//wAAAAAmAAAAZAAAABYAAABMAAAAAAAAAAAAAAAEAAAAAAAAAAEAAADu7OEKAAAAACgAAAAoAAAAZAAAAGQAAAAAAAAAzMzMAAAAAABQAAAAUAAAAGQAAABkAAAAAAAAABcAAAAUAAAAAAAAAAAAAAD/fwAA/38AAAAAAAAJAAAABAAAAD7o2aweAAAAaAAAAAAAAAAAAAAAAAAAAAAAAAAAAAAAECcAABAnAAAAAAAAAAAAAAAAAAAAAAAAAAAAAAAAAAAAAAAAAAAAABQAAAAAAAAAwMD/AAAAAABkAAAAMgAAAAAAAABkAAAAAAAAAH9/fwAKAAAAIgAAABgAAAAAAAAAAAAAAAAAAAAAAAAAAAAAAAAAAAAkAAAAJAAAAAAAAAAHAAAAAAAAAAAAAAAAAAAAAAAAAAAAAAAAAAAAf39/ACUAAABYAAAAAAAAAAAAAAAAAAAAAAAAAAAAAAAAAAAAAAAAAAAAAAAAAAAAAAAAAAAAAAA/AAAAAAAAAKCGAQAAAAAAAAAAAAAAAAAMAAAAAQAAAAAAAAAAAAAAAAAAAB8AAABUAAAAT4G9Bf///wEAAAAAAAAAAAAAAAAAAAAAAAAAAAAAAAAAAAAAAAAAAAAAAAJ/f38A7uzhA8zMzADAwP8Af39/AAAAAAAAAAAAAAAAAAAAAAAAAAAAIQAAABgAAAAUAAAA0AIAANgJAABwNQAAsCUAABAAAAAmAAAACAAAAAAAAAAAAAAA"/>
+              </a:ext>
+            </a:extLst>
+          </p:cNvSpPr>
+          <p:nvPr>
+            <p:ph type="body" idx="1"/>
+          </p:nvPr>
+        </p:nvSpPr>
+        <p:spPr/>
+        <p:txBody>
+          <a:bodyPr/>
+          <a:lstStyle/>
+          <a:p>
+            <a:pPr>
+              <a:buNone/>
+              <a:defRPr lang="fr-fr"/>
+            </a:pPr>
+            <a:r>
+              <a:t>moveIndex = 0</a:t>
+            </a:r>
+          </a:p>
+          <a:p>
+            <a:pPr>
+              <a:buNone/>
+              <a:defRPr lang="fr-fr"/>
+            </a:pPr>
+            <a:r>
+              <a:t>moves[moveIndex++] = mvSlice(A)</a:t>
+            </a:r>
+          </a:p>
+          <a:p>
+            <a:pPr>
+              <a:buNone/>
+              <a:defRPr lang="fr-fr"/>
+            </a:pPr>
+            <a:r>
+              <a:t>moves[moveIndex++] = mvSlice(lalpha)</a:t>
+            </a:r>
+          </a:p>
+          <a:p>
+            <a:pPr>
+              <a:buNone/>
+              <a:defRPr lang="fr-fr"/>
+            </a:pPr>
+            <a:r>
+              <a:t>moves[moveIndex++] = mvSlide(A)</a:t>
+            </a:r>
+          </a:p>
+          <a:p>
+            <a:pPr>
+              <a:buNone/>
+              <a:defRPr lang="fr-fr"/>
+            </a:pPr>
+            <a:r>
+              <a:t>moves[moveIndex++] = mvSlide(lalpha)</a:t>
+            </a:r>
+          </a:p>
+          <a:p>
+            <a:pPr>
+              <a:buNone/>
+              <a:defRPr lang="fr-fr"/>
+            </a:pPr>
+            <a:r>
+              <a:t>moves[moveIndex++] = mvScale(A)</a:t>
+            </a:r>
+          </a:p>
+        </p:txBody>
+      </p:sp>
+    </p:spTree>
+  </p:cSld>
+  <p:clrMapOvr>
+    <a:masterClrMapping/>
+  </p:clrMapOvr>
+  <p:timing>
+    <p:tnLst>
+      <p:par>
+        <p:cTn id="1" dur="indefinite" restart="never" nodeType="tmRoot"/>
+      </p:par>
+    </p:tnLst>
+  </p:timing>
+</p:sld>
+</file>
+
+<file path=ppt/slides/slide41.xml><?xml version="1.0" encoding="utf-8"?>
+<p:sld xmlns:p="http://schemas.openxmlformats.org/presentationml/2006/main" xmlns:mc="http://schemas.openxmlformats.org/markup-compatibility/2006" xmlns:p14="http://schemas.microsoft.com/office/powerpoint/2010/main" xmlns:p15="http://schemas.microsoft.com/office/powerpoint/2012/main" xmlns:r="http://schemas.openxmlformats.org/officeDocument/2006/relationships" xmlns:a="http://schemas.openxmlformats.org/drawingml/2006/main" mc:Ignorable="p14" show="0">
+  <p:cSld>
+    <p:spTree>
+      <p:nvGrpSpPr>
+        <p:cNvPr id="1" name=""/>
+        <p:cNvGrpSpPr/>
+        <p:nvPr/>
+      </p:nvGrpSpPr>
+      <p:grpSpPr>
+        <a:xfrm>
+          <a:off x="0" y="0"/>
+          <a:ext cx="0" cy="0"/>
+          <a:chOff x="0" y="0"/>
+          <a:chExt cx="0" cy="0"/>
+        </a:xfrm>
+      </p:grpSpPr>
+      <p:sp>
+        <p:nvSpPr>
+          <p:cNvPr id="2" name="Titre 1"/>
+          <p:cNvSpPr>
+            <a:spLocks noGrp="1" noChangeArrowheads="1"/>
+            <a:extLst>
+              <a:ext uri="smNativeData">
+                <pr:smNativeData xmlns:pr="smNativeData" xmlns="smNativeData" val="SMDATA_15_0rbXYhMAAAAlAAAAZAAAAA0AAAAAkAAAAEgAAACQAAAASAAAAAAAAAABAAAAAAAAAAEAAABQAAAAAAAAAAAA4D8AAAAAAADgPwAAAAAAAOA/AAAAAAAA4D8AAAAAAADgPwAAAAAAAOA/AAAAAAAA4D8AAAAAAADgPwAAAAAAAOA/AAAAAAAA4D8CAAAAjAAAAAAAAAAAAAAAT4G9DP///wgAAAAAAAAAAAAAAAAAAAAAAAAAAAAAAAAAAAAAZAAAAAEAAABAAAAAAAAAAAAAAAAAAAAAAAAAAAAAAAAAAAAAAAAAAAAAAAAAAAAAAAAAAAAAAAAAAAAAAAAAAAAAAAAAAAAAAAAAAAAAAAAAAAAAAAAAAAAAAAAAAAAAFAAAADwAAAAAAAAAAAAAAAAAAAkUAAAAAQAAABQAAAAUAAAAFAAAAAEAAAAAAAAAZAAAAGQAAAAAAAAAZAAAAGQAAAAVAAAAYAAAAAAAAAAAAAAADwAAACADAAAAAAAAAAAAAAEAAACgMgAAVgcAAKr4//8BAAAAf39/AAEAAABkAAAAAAAAABQAAABAHwAAAAAAACYAAAAAAAAAwOD//wAAAAAmAAAAZAAAABYAAABMAAAAAAAAAAAAAAAEAAAAAAAAAAEAAADu7OEKAAAAACgAAAAoAAAAZAAAAGQAAAAAAAAAzMzMAAAAAABQAAAAUAAAAGQAAABkAAAAAAAAABcAAAAUAAAAAAAAAAAAAAD/fwAA/38AAAAAAAAJAAAABAAAAAZfBl4eAAAAaAAAAAAAAAAAAAAAAAAAAAAAAAAAAAAAECcAABAnAAAAAAAAAAAAAAAAAAAAAAAAAAAAAAAAAAAAAAAAAAAAABQAAAAAAAAAwMD/AAAAAABkAAAAMgAAAAAAAABkAAAAAAAAAH9/fwAKAAAAIgAAABgAAAAAAAAAAAAAAAAAAAAAAAAAAAAAAAAAAAAkAAAAJAAAAAAAAAAHAAAAAAAAAAAAAAAAAAAAAAAAAAAAAAAAAAAAf39/ACUAAABYAAAAAAAAAAAAAAAAAAAAAAAAAAAAAAAAAAAAAAAAAAAAAAAAAAAAAAAAAAAAAAA/AAAAAAAAAKCGAQAAAAAAAAAAAAAAAAAMAAAAAQAAAAAAAAAAAAAAAAAAAB8AAABUAAAAT4G9Bf///wEAAAAAAAAAAAAAAAAAAAAAAAAAAAAAAAAAAAAAAAAAAAAAAAJ/f38A7uzhA8zMzADAwP8Af39/AAAAAAAAAAAAAAAAAAAAAAAAAAAAIQAAABgAAAAUAAAA0AIAAAAAAABwNQAACAcAABAAAAAmAAAACAAAAAEgAAAAAAAA"/>
               </a:ext>
             </a:extLst>
           </p:cNvSpPr>
@@ -14287,7 +14465,7 @@
             <a:picLocks noChangeAspect="1"/>
             <a:extLst>
               <a:ext uri="smNativeData">
-                <pr:smNativeData xmlns:pr="smNativeData" xmlns="smNativeData" val="SMDATA_17_iunWYhMAAAAlAAAAEQAAAC0AAAAAkAAAAEgAAACQAAAASAAAAAAAAAAAAAAAAAAAAAEAAABQAAAAAAAAAAAA4D8AAAAAAADgPwAAAAAAAOA/AAAAAAAA4D8AAAAAAADgPwAAAAAAAOA/AAAAAAAA4D8AAAAAAADgPwAAAAAAAOA/AAAAAAAA4D8CAAAAjAAAAAAAAAAAAAAAT4G9DP///wgAAAAAAAAAAAAAAAAAAAAAAAAAAAAAAAAAAAAAZAAAAAEAAABAAAAAAAAAAAAAAAAAAAAAAAAAAAAAAAAAAAAAAAAAAAAAAAAAAAAAAAAAAAAAAAAAAAAAAAAAAAAAAAAAAAAAAAAAAAAAAAAAAAAAAAAAAAAAAAAAAAAAFAAAADwAAAAAAAAAAAAAAAAAAAkUAAAAAQAAABQAAAAUAAAAFAAAAAEAAAAAAAAAZAAAAGQAAAAAAAAAZAAAAGQAAAAVAAAAYAAAAAAAAAAAAAAADwAAACADAAAAAAAAAAAAAAEAAACgMgAAVgcAAKr4//8BAAAAf39/AAEAAABkAAAAAAAAABQAAABAHwAAAAAAACYAAAAAAAAAwOD//wAAAAAmAAAAZAAAABYAAABMAAAAAAAAAAAAAAAEAAAAAAAAAAEAAADu7OEKAAAAACgAAAAoAAAAZAAAAGQAAAAAAAAAzMzMAAAAAABQAAAAUAAAAGQAAABkAAAAAAAAAAcAAAA4AAAAAAAAAAAAAAAAAAAA////AAAAAAAAAAAAAAAAAAAAAAAAAAAAAAAAAAAAAABkAAAAZAAAAAAAAAAjAAAABAAAAGQAAAAXAAAAFAAAAAAAAAAAAAAA/38AAP9/AAAAAAAACQAAAAQAAAAAAAAAHgAAAGgAAAAAAAAAAAAAAAAAAAAAAAAAAAAAABAnAAAQJwAAAAAAAAAAAAAAAAAAAAAAAAAAAAAAAAAAAAAAAAAAAAAUAAAAAAAAAMDA/wAAAAAAZAAAADIAAAAAAAAAZAAAAAAAAAB/f38ACgAAACIAAAAYAAAAAAAAAAAAAAAAAAAAAAAAAAAAAAAAAAAAJAAAACQAAAAAAAAABwAAAAAAAAAAAAAAAAAAAAAAAAAAAAAAAAAAAH9/fwAlAAAAWAAAAAAAAAAAAAAAAAAAAAAAAAAAAAAAAAAAAAAAAAAAAAAAAAAAAAAAAAAAAAAAPwAAAAAAAACghgEAAAAAAAAAAAAAAAAADAAAAAEAAAAAAAAAAAAAAAAAAAAfAAAAVAAAAE+BvQX///8BAAAAAAAAAAAAAAAAAAAAAAAAAAAAAAAAAAAAAAAAAAAAAAACf39/AO7s4QPMzMwAwMD/AH9/fwAAAAAAAAAAAAAAAAD///8AAAAAACEAAAAYAAAAFAAAAAAAAAAbCAAAUhkAAHgZAAAQAAAAJgAAAAgAAAD//////////w=="/>
+                <pr:smNativeData xmlns:pr="smNativeData" xmlns="smNativeData" val="SMDATA_17_0rbXYhMAAAAlAAAAEQAAAC0AAAAAkAAAAEgAAACQAAAASAAAAAAAAAAAAAAAAAAAAAEAAABQAAAAAAAAAAAA4D8AAAAAAADgPwAAAAAAAOA/AAAAAAAA4D8AAAAAAADgPwAAAAAAAOA/AAAAAAAA4D8AAAAAAADgPwAAAAAAAOA/AAAAAAAA4D8CAAAAjAAAAAAAAAAAAAAAT4G9DP///wgAAAAAAAAAAAAAAAAAAAAAAAAAAAAAAAAAAAAAZAAAAAEAAABAAAAAAAAAAAAAAAAAAAAAAAAAAAAAAAAAAAAAAAAAAAAAAAAAAAAAAAAAAAAAAAAAAAAAAAAAAAAAAAAAAAAAAAAAAAAAAAAAAAAAAAAAAAAAAAAAAAAAFAAAADwAAAAAAAAAAAAAAAAAAAkUAAAAAQAAABQAAAAUAAAAFAAAAAEAAAAAAAAAZAAAAGQAAAAAAAAAZAAAAGQAAAAVAAAAYAAAAAAAAAAAAAAADwAAACADAAAAAAAAAAAAAAEAAACgMgAAVgcAAKr4//8BAAAAf39/AAEAAABkAAAAAAAAABQAAABAHwAAAAAAACYAAAAAAAAAwOD//wAAAAAmAAAAZAAAABYAAABMAAAAAAAAAAAAAAAEAAAAAAAAAAEAAADu7OEKAAAAACgAAAAoAAAAZAAAAGQAAAAAAAAAzMzMAAAAAABQAAAAUAAAAGQAAABkAAAAAAAAAAcAAAA4AAAAAAAAAAAAAAAAAAAA////AAAAAAAAAAAAAAAAAAAAAAAAAAAAAAAAAAAAAABkAAAAZAAAAAAAAAAjAAAABAAAAGQAAAAXAAAAFAAAAAAAAAAAAAAA/38AAP9/AAAAAAAACQAAAAQAAAAAAAAAHgAAAGgAAAAAAAAAAAAAAAAAAAAAAAAAAAAAABAnAAAQJwAAAAAAAAAAAAAAAAAAAAAAAAAAAAAAAAAAAAAAAAAAAAAUAAAAAAAAAMDA/wAAAAAAZAAAADIAAAAAAAAAZAAAAAAAAAB/f38ACgAAACIAAAAYAAAAAAAAAAAAAAAAAAAAAAAAAAAAAAAAAAAAJAAAACQAAAAAAAAABwAAAAAAAAAAAAAAAAAAAAAAAAAAAAAAAAAAAH9/fwAlAAAAWAAAAAAAAAAAAAAAAAAAAAAAAAAAAAAAAAAAAAAAAAAAAAAAAAAAAAAAAAAAAAAAPwAAAAAAAACghgEAAAAAAAAAAAAAAAAADAAAAAEAAAAAAAAAAAAAAAAAAAAfAAAAVAAAAE+BvQX///8BAAAAAAAAAAAAAAAAAAAAAAAAAAAAAAAAAAAAAAAAAAAAAAACf39/AO7s4QPMzMwAwMD/AH9/fwAAAAAAAAAAAAAAAAD///8AAAAAACEAAAAYAAAAFAAAAAAAAAAbCAAAUhkAAHgZAAAQAAAAJgAAAAgAAAD//////////w=="/>
               </a:ext>
             </a:extLst>
           </p:cNvPicPr>
@@ -14321,7 +14499,7 @@
             <a:picLocks noChangeAspect="1"/>
             <a:extLst>
               <a:ext uri="smNativeData">
-                <pr:smNativeData xmlns:pr="smNativeData" xmlns="smNativeData" val="SMDATA_17_iunWYhMAAAAlAAAAEQAAAC0AAAAAkAAAAEgAAACQAAAASAAAAAAAAAAAAAAAAAAAAAEAAABQAAAAAAAAAAAA4D8AAAAAAADgPwAAAAAAAOA/AAAAAAAA4D8AAAAAAADgPwAAAAAAAOA/AAAAAAAA4D8AAAAAAADgPwAAAAAAAOA/AAAAAAAA4D8CAAAAjAAAAAAAAAAAAAAAT4G9DP///wgAAAAAAAAAAAAAAAAAAAAAAAAAAAAAAAAAAAAAZAAAAAEAAABAAAAAAAAAAAAAAAAAAAAAAAAAAAAAAAAAAAAAAAAAAAAAAAAAAAAAAAAAAAAAAAAAAAAAAAAAAAAAAAAAAAAAAAAAAAAAAAAAAAAAAAAAAAAAAAAAAAAAFAAAADwAAAAAAAAAAAAAAAAAAAkUAAAAAQAAABQAAAAUAAAAFAAAAAEAAAAAAAAAZAAAAGQAAAAAAAAAZAAAAGQAAAAVAAAAYAAAAAAAAAAAAAAADwAAACADAAAAAAAAAAAAAAEAAACgMgAAVgcAAKr4//8BAAAAf39/AAEAAABkAAAAAAAAABQAAABAHwAAAAAAACYAAAAAAAAAwOD//wAAAAAmAAAAZAAAABYAAABMAAAAAAAAAAAAAAAEAAAAAAAAAAEAAADu7OEKAAAAACgAAAAoAAAAZAAAAGQAAAAAAAAAzMzMAAAAAABQAAAAUAAAAGQAAABkAAAAAAAAAAcAAAA4AAAAAAAAAAAAAAAAAAAA////AAAAAAAAAAAAAAAAAAAAAAAAAAAAAAAAAAAAAABkAAAAZAAAAAAAAAAjAAAABAAAAGQAAAAXAAAAFAAAAAAAAAAAAAAA/38AAP9/AAAAAAAACQAAAAQAAABBAEoAHgAAAGgAAAAAAAAAAAAAAAAAAAAAAAAAAAAAABAnAAAQJwAAAAAAAAAAAAAAAAAAAAAAAAAAAAAAAAAAAAAAAAAAAAAUAAAAAAAAAMDA/wAAAAAAZAAAADIAAAAAAAAAZAAAAAAAAAB/f38ACgAAACIAAAAYAAAAAAAAAAAAAAAAAAAAAAAAAAAAAAAAAAAAJAAAACQAAAAAAAAABwAAAAAAAAAAAAAAAAAAAAAAAAAAAAAAAAAAAH9/fwAlAAAAWAAAAAAAAAAAAAAAAAAAAAAAAAAAAAAAAAAAAAAAAAAAAAAAAAAAAAAAAAAAAAAAPwAAAAAAAACghgEAAAAAAAAAAAAAAAAADAAAAAEAAAAAAAAAAAAAAAAAAAAfAAAAVAAAAE+BvQX///8BAAAAAAAAAAAAAAAAAAAAAAAAAAAAAAAAAAAAAAAAAAAAAAACf39/AO7s4QPMzMwAwMD/AH9/fwAAAAAAAAAAAAAAAAD///8AAAAAACEAAAAYAAAAFAAAAP7///94GQAAUhkAADAqAAAQAAAAJgAAAAgAAAD//////////w=="/>
+                <pr:smNativeData xmlns:pr="smNativeData" xmlns="smNativeData" val="SMDATA_17_0rbXYhMAAAAlAAAAEQAAAC0AAAAAkAAAAEgAAACQAAAASAAAAAAAAAAAAAAAAAAAAAEAAABQAAAAAAAAAAAA4D8AAAAAAADgPwAAAAAAAOA/AAAAAAAA4D8AAAAAAADgPwAAAAAAAOA/AAAAAAAA4D8AAAAAAADgPwAAAAAAAOA/AAAAAAAA4D8CAAAAjAAAAAAAAAAAAAAAT4G9DP///wgAAAAAAAAAAAAAAAAAAAAAAAAAAAAAAAAAAAAAZAAAAAEAAABAAAAAAAAAAAAAAAAAAAAAAAAAAAAAAAAAAAAAAAAAAAAAAAAAAAAAAAAAAAAAAAAAAAAAAAAAAAAAAAAAAAAAAAAAAAAAAAAAAAAAAAAAAAAAAAAAAAAAFAAAADwAAAAAAAAAAAAAAAAAAAkUAAAAAQAAABQAAAAUAAAAFAAAAAEAAAAAAAAAZAAAAGQAAAAAAAAAZAAAAGQAAAAVAAAAYAAAAAAAAAAAAAAADwAAACADAAAAAAAAAAAAAAEAAACgMgAAVgcAAKr4//8BAAAAf39/AAEAAABkAAAAAAAAABQAAABAHwAAAAAAACYAAAAAAAAAwOD//wAAAAAmAAAAZAAAABYAAABMAAAAAAAAAAAAAAAEAAAAAAAAAAEAAADu7OEKAAAAACgAAAAoAAAAZAAAAGQAAAAAAAAAzMzMAAAAAABQAAAAUAAAAGQAAABkAAAAAAAAAAcAAAA4AAAAAAAAAAAAAAAAAAAA////AAAAAAAAAAAAAAAAAAAAAAAAAAAAAAAAAAAAAABkAAAAZAAAAAAAAAAjAAAABAAAAGQAAAAXAAAAFAAAAAAAAAAAAAAA/38AAP9/AAAAAAAACQAAAAQAAABBAEoAHgAAAGgAAAAAAAAAAAAAAAAAAAAAAAAAAAAAABAnAAAQJwAAAAAAAAAAAAAAAAAAAAAAAAAAAAAAAAAAAAAAAAAAAAAUAAAAAAAAAMDA/wAAAAAAZAAAADIAAAAAAAAAZAAAAAAAAAB/f38ACgAAACIAAAAYAAAAAAAAAAAAAAAAAAAAAAAAAAAAAAAAAAAAJAAAACQAAAAAAAAABwAAAAAAAAAAAAAAAAAAAAAAAAAAAAAAAAAAAH9/fwAlAAAAWAAAAAAAAAAAAAAAAAAAAAAAAAAAAAAAAAAAAAAAAAAAAAAAAAAAAAAAAAAAAAAAPwAAAAAAAACghgEAAAAAAAAAAAAAAAAADAAAAAEAAAAAAAAAAAAAAAAAAAAfAAAAVAAAAE+BvQX///8BAAAAAAAAAAAAAAAAAAAAAAAAAAAAAAAAAAAAAAAAAAAAAAACf39/AO7s4QPMzMwAwMD/AH9/fwAAAAAAAAAAAAAAAAD///8AAAAAACEAAAAYAAAAFAAAAP7///94GQAAUhkAADAqAAAQAAAAJgAAAAgAAAD//////////w=="/>
               </a:ext>
             </a:extLst>
           </p:cNvPicPr>
@@ -14355,7 +14533,7 @@
             <a:picLocks noChangeAspect="1"/>
             <a:extLst>
               <a:ext uri="smNativeData">
-                <pr:smNativeData xmlns:pr="smNativeData" xmlns="smNativeData" val="SMDATA_17_iunWYhMAAAAlAAAAEQAAAC0AAAAAkAAAAEgAAACQAAAASAAAAAAAAAAAAAAAAAAAAAEAAABQAAAAAAAAAAAA4D8AAAAAAADgPwAAAAAAAOA/AAAAAAAA4D8AAAAAAADgPwAAAAAAAOA/AAAAAAAA4D8AAAAAAADgPwAAAAAAAOA/AAAAAAAA4D8CAAAAjAAAAAAAAAAAAAAAT4G9DP///wgAAAAAAAAAAAAAAAAAAAAAAAAAAAAAAAAAAAAAZAAAAAEAAABAAAAAAAAAAAAAAAAAAAAAAAAAAAAAAAAAAAAAAAAAAAAAAAAAAAAAAAAAAAAAAAAAAAAAAAAAAAAAAAAAAAAAAAAAAAAAAAAAAAAAAAAAAAAAAAAAAAAAFAAAADwAAAAAAAAAAAAAAAAAAAkUAAAAAQAAABQAAAAUAAAAFAAAAAEAAAAAAAAAZAAAAGQAAAAAAAAAZAAAAGQAAAAVAAAAYAAAAAAAAAAAAAAADwAAACADAAAAAAAAAAAAAAEAAACgMgAAVgcAAKr4//8BAAAAf39/AAEAAABkAAAAAAAAABQAAABAHwAAAAAAACYAAAAAAAAAwOD//wAAAAAmAAAAZAAAABYAAABMAAAAAAAAAAAAAAAEAAAAAAAAAAEAAADu7OEKAAAAACgAAAAoAAAAZAAAAGQAAAAAAAAAzMzMAAAAAABQAAAAUAAAAGQAAABkAAAAAAAAAAcAAAA4AAAAAAAAAAAAAAAAAAAA////AAAAAAAAAAAAAAAAAAAAAAAAAAAAAAAAAAAAAABkAAAAZAAAAAAAAAAjAAAABAAAAGQAAAAXAAAAFAAAAAAAAAAAAAAA/38AAP9/AAAAAAAACQAAAAQAAAAAAAAAHgAAAGgAAAAAAAAAAAAAAAAAAAAAAAAAAAAAABAnAAAQJwAAAAAAAAAAAAAAAAAAAAAAAAAAAAAAAAAAAAAAAAAAAAAUAAAAAAAAAMDA/wAAAAAAZAAAADIAAAAAAAAAZAAAAAAAAAB/f38ACgAAACIAAAAYAAAAAAAAAAAAAAAAAAAAAAAAAAAAAAAAAAAAJAAAACQAAAAAAAAABwAAAAAAAAAAAAAAAAAAAAAAAAAAAAAAAAAAAH9/fwAlAAAAWAAAAAAAAAAAAAAAAAAAAAAAAAAAAAAAAAAAAAAAAAAAAAAAAAAAAAAAAAAAAAAAPwAAAAAAAACghgEAAAAAAAAAAAAAAAAADAAAAAEAAAAAAAAAAAAAAAAAAAAfAAAAVAAAAE+BvQX///8BAAAAAAAAAAAAAAAAAAAAAAAAAAAAAAAAAAAAAAAAAAAAAAACf39/AO7s4QPMzMwAwMD/AH9/fwAAAAAAAAAAAAAAAAD///8AAAAAACEAAAAYAAAAFAAAAMAZAABIDQAAGDgAALAiAAAQAAAAJgAAAAgAAAD//////////w=="/>
+                <pr:smNativeData xmlns:pr="smNativeData" xmlns="smNativeData" val="SMDATA_17_0rbXYhMAAAAlAAAAEQAAAC0AAAAAkAAAAEgAAACQAAAASAAAAAAAAAAAAAAAAAAAAAEAAABQAAAAAAAAAAAA4D8AAAAAAADgPwAAAAAAAOA/AAAAAAAA4D8AAAAAAADgPwAAAAAAAOA/AAAAAAAA4D8AAAAAAADgPwAAAAAAAOA/AAAAAAAA4D8CAAAAjAAAAAAAAAAAAAAAT4G9DP///wgAAAAAAAAAAAAAAAAAAAAAAAAAAAAAAAAAAAAAZAAAAAEAAABAAAAAAAAAAAAAAAAAAAAAAAAAAAAAAAAAAAAAAAAAAAAAAAAAAAAAAAAAAAAAAAAAAAAAAAAAAAAAAAAAAAAAAAAAAAAAAAAAAAAAAAAAAAAAAAAAAAAAFAAAADwAAAAAAAAAAAAAAAAAAAkUAAAAAQAAABQAAAAUAAAAFAAAAAEAAAAAAAAAZAAAAGQAAAAAAAAAZAAAAGQAAAAVAAAAYAAAAAAAAAAAAAAADwAAACADAAAAAAAAAAAAAAEAAACgMgAAVgcAAKr4//8BAAAAf39/AAEAAABkAAAAAAAAABQAAABAHwAAAAAAACYAAAAAAAAAwOD//wAAAAAmAAAAZAAAABYAAABMAAAAAAAAAAAAAAAEAAAAAAAAAAEAAADu7OEKAAAAACgAAAAoAAAAZAAAAGQAAAAAAAAAzMzMAAAAAABQAAAAUAAAAGQAAABkAAAAAAAAAAcAAAA4AAAAAAAAAAAAAAAAAAAA////AAAAAAAAAAAAAAAAAAAAAAAAAAAAAAAAAAAAAABkAAAAZAAAAAAAAAAjAAAABAAAAGQAAAAXAAAAFAAAAAAAAAAAAAAA/38AAP9/AAAAAAAACQAAAAQAAAAAAAAAHgAAAGgAAAAAAAAAAAAAAAAAAAAAAAAAAAAAABAnAAAQJwAAAAAAAAAAAAAAAAAAAAAAAAAAAAAAAAAAAAAAAAAAAAAUAAAAAAAAAMDA/wAAAAAAZAAAADIAAAAAAAAAZAAAAAAAAAB/f38ACgAAACIAAAAYAAAAAAAAAAAAAAAAAAAAAAAAAAAAAAAAAAAAJAAAACQAAAAAAAAABwAAAAAAAAAAAAAAAAAAAAAAAAAAAAAAAAAAAH9/fwAlAAAAWAAAAAAAAAAAAAAAAAAAAAAAAAAAAAAAAAAAAAAAAAAAAAAAAAAAAAAAAAAAAAAAPwAAAAAAAACghgEAAAAAAAAAAAAAAAAADAAAAAEAAAAAAAAAAAAAAAAAAAAfAAAAVAAAAE+BvQX///8BAAAAAAAAAAAAAAAAAAAAAAAAAAAAAAAAAAAAAAAAAAAAAAACf39/AO7s4QPMzMwAwMD/AH9/fwAAAAAAAAAAAAAAAAD///8AAAAAACEAAAAYAAAAFAAAAMAZAABIDQAAGDgAALAiAAAQAAAAJgAAAAgAAAD//////////w=="/>
               </a:ext>
             </a:extLst>
           </p:cNvPicPr>
@@ -14397,231 +14575,6 @@
 </p:sld>
 </file>
 
-<file path=ppt/slides/slide41.xml><?xml version="1.0" encoding="utf-8"?>
-<p:sld xmlns:p="http://schemas.openxmlformats.org/presentationml/2006/main" xmlns:mc="http://schemas.openxmlformats.org/markup-compatibility/2006" xmlns:p14="http://schemas.microsoft.com/office/powerpoint/2010/main" xmlns:p15="http://schemas.microsoft.com/office/powerpoint/2012/main" xmlns:r="http://schemas.openxmlformats.org/officeDocument/2006/relationships" xmlns:a="http://schemas.openxmlformats.org/drawingml/2006/main" mc:Ignorable="p14" show="0">
-  <p:cSld>
-    <p:spTree>
-      <p:nvGrpSpPr>
-        <p:cNvPr id="1" name=""/>
-        <p:cNvGrpSpPr/>
-        <p:nvPr/>
-      </p:nvGrpSpPr>
-      <p:grpSpPr>
-        <a:xfrm>
-          <a:off x="0" y="0"/>
-          <a:ext cx="0" cy="0"/>
-          <a:chOff x="0" y="0"/>
-          <a:chExt cx="0" cy="0"/>
-        </a:xfrm>
-      </p:grpSpPr>
-      <p:sp>
-        <p:nvSpPr>
-          <p:cNvPr id="2" name="Titre 1"/>
-          <p:cNvSpPr>
-            <a:spLocks noGrp="1" noChangeArrowheads="1"/>
-            <a:extLst>
-              <a:ext uri="smNativeData">
-                <pr:smNativeData xmlns:pr="smNativeData" xmlns="smNativeData" val="SMDATA_15_iunWYhMAAAAlAAAAZAAAAA0AAAAAkAAAAEgAAACQAAAASAAAAAAAAAABAAAAAAAAAAEAAABQAAAAAAAAAAAA4D8AAAAAAADgPwAAAAAAAOA/AAAAAAAA4D8AAAAAAADgPwAAAAAAAOA/AAAAAAAA4D8AAAAAAADgPwAAAAAAAOA/AAAAAAAA4D8CAAAAjAAAAAAAAAAAAAAAT4G9DP///wgAAAAAAAAAAAAAAAAAAAAAAAAAAAAAAAAAAAAAZAAAAAEAAABAAAAAAAAAAAAAAAAAAAAAAAAAAAAAAAAAAAAAAAAAAAAAAAAAAAAAAAAAAAAAAAAAAAAAAAAAAAAAAAAAAAAAAAAAAAAAAAAAAAAAAAAAAAAAAAAAAAAAFAAAADwAAAAAAAAAAAAAAAAAAAkUAAAAAQAAABQAAAAUAAAAFAAAAAEAAAAAAAAAZAAAAGQAAAAAAAAAZAAAAGQAAAAVAAAAYAAAAAAAAAAAAAAADwAAACADAAAAAAAAAAAAAAEAAACgMgAAVgcAAKr4//8BAAAAf39/AAEAAABkAAAAAAAAABQAAABAHwAAAAAAACYAAAAAAAAAwOD//wAAAAAmAAAAZAAAABYAAABMAAAAAAAAAAAAAAAEAAAAAAAAAAEAAADu7OEKAAAAACgAAAAoAAAAZAAAAGQAAAAAAAAAzMzMAAAAAABQAAAAUAAAAGQAAABkAAAAAAAAABcAAAAUAAAAAAAAAAAAAAD/fwAA/38AAAAAAAAJAAAABAAAAAAAAAAeAAAAaAAAAAAAAAAAAAAAAAAAAAAAAAAAAAAAECcAABAnAAAAAAAAAAAAAAAAAAAAAAAAAAAAAAAAAAAAAAAAAAAAABQAAAAAAAAAwMD/AAAAAABkAAAAMgAAAAAAAABkAAAAAAAAAH9/fwAKAAAAIgAAABgAAAAAAAAAAAAAAAAAAAAAAAAAAAAAAAAAAAAkAAAAJAAAAAAAAAAHAAAAAAAAAAAAAAAAAAAAAAAAAAAAAAAAAAAAf39/ACUAAABYAAAAAAAAAAAAAAAAAAAAAAAAAAAAAAAAAAAAAAAAAAAAAAAAAAAAAAAAAAAAAAA/AAAAAAAAAKCGAQAAAAAAAAAAAAAAAAAMAAAAAQAAAAAAAAAAAAAAAAAAAB8AAABUAAAAT4G9Bf///wEAAAAAAAAAAAAAAAAAAAAAAAAAAAAAAAAAAAAAAAAAAAAAAAJ/f38A7uzhA8zMzADAwP8Af39/AAAAAAAAAAAAAAAAAAAAAAAAAAAAIQAAABgAAAAUAAAA0AIAALEBAABwNQAAuQgAABAAAAAmAAAACAAAAAAgAAAAAAAA"/>
-              </a:ext>
-            </a:extLst>
-          </p:cNvSpPr>
-          <p:nvPr>
-            <p:ph type="title"/>
-          </p:nvPr>
-        </p:nvSpPr>
-        <p:spPr/>
-        <p:txBody>
-          <a:bodyPr vert="horz" wrap="square" lIns="91440" tIns="45720" rIns="91440" bIns="45720" numCol="1" spcCol="215900" anchor="ctr">
-            <a:prstTxWarp prst="textNoShape">
-              <a:avLst/>
-            </a:prstTxWarp>
-          </a:bodyPr>
-          <a:lstStyle/>
-          <a:p>
-            <a:pPr>
-              <a:spcBef>
-                <a:spcPts val="0"/>
-              </a:spcBef>
-              <a:defRPr lang="fr-fr" sz="3960" cap="none"/>
-            </a:pPr>
-            <a:r>
-              <a:t>Combining moves and using MCMCMC</a:t>
-            </a:r>
-          </a:p>
-        </p:txBody>
-      </p:sp>
-      <p:sp>
-        <p:nvSpPr>
-          <p:cNvPr id="3" name="Espace réservé du contenu 2"/>
-          <p:cNvSpPr>
-            <a:spLocks noGrp="1" noChangeArrowheads="1"/>
-            <a:extLst>
-              <a:ext uri="smNativeData">
-                <pr:smNativeData xmlns:pr="smNativeData" xmlns="smNativeData" val="SMDATA_15_iunWYhMAAAAlAAAAZAAAAA0AAAAAkAAAAEgAAACQAAAASAAAAAAAAAAAAAAAAAAAAAEAAABQAAAAAAAAAAAA4D8AAAAAAADgPwAAAAAAAOA/AAAAAAAA4D8AAAAAAADgPwAAAAAAAOA/AAAAAAAA4D8AAAAAAADgPwAAAAAAAOA/AAAAAAAA4D8CAAAAjAAAAAAAAAAAAAAAT4G9DP///wgAAAAAAAAAAAAAAAAAAAAAAAAAAAAAAAAAAAAAZAAAAAEAAABAAAAAAAAAAAAAAAAAAAAAAAAAAAAAAAAAAAAAAAAAAAAAAAAAAAAAAAAAAAAAAAAAAAAAAAAAAAAAAAAAAAAAAAAAAAAAAAAAAAAAAAAAAAAAAAAAAAAAFAAAADwAAAAAAAAAAAAAAAAAAAkUAAAAAQAAABQAAAAUAAAAFAAAAAEAAAAAAAAAZAAAAGQAAAAAAAAAZAAAAGQAAAAVAAAAYAAAAAAAAAAAAAAADwAAACADAAAAAAAAAAAAAAEAAACgMgAAVgcAAKr4//8BAAAAf39/AAEAAABkAAAAAAAAABQAAABAHwAAAAAAACYAAAAAAAAAwOD//wAAAAAmAAAAZAAAABYAAABMAAAAAAAAAAAAAAAEAAAAAAAAAAEAAADu7OEKAAAAACgAAAAoAAAAZAAAAGQAAAAAAAAAzMzMAAAAAABQAAAAUAAAAGQAAABkAAAAAAAAABcAAAAUAAAAAAAAAAAAAAD/fwAA/38AAAAAAAAJAAAABAAAAAAAAAAeAAAAaAAAAAAAAAAAAAAAAAAAAAAAAAAAAAAAECcAABAnAAAAAAAAAAAAAAAAAAAAAAAAAAAAAAAAAAAAAAAAAAAAABQAAAAAAAAAwMD/AAAAAABkAAAAMgAAAAAAAABkAAAAAAAAAH9/fwAKAAAAIgAAABgAAAAAAAAAAAAAAAAAAAAAAAAAAAAAAAAAAAAkAAAAJAAAAAAAAAAHAAAAAAAAAAAAAAAAAAAAAAAAAAAAAAAAAAAAf39/ACUAAABYAAAAAAAAAAAAAAAAAAAAAAAAAAAAAAAAAAAAAAAAAAAAAAAAAAAAAAAAAAAAAAA/AAAAAAAAAKCGAQAAAAAAAAAAAAAAAAAMAAAAAQAAAAAAAAAAAAAAAAAAAB8AAABUAAAAT4G9Bf///wEAAAAAAAAAAAAAAAAAAAAAAAAAAAAAAAAAAAAAAAAAAAAAAAJ/f38A7uzhA8zMzADAwP8Af39/AAAAAAAAAAAAAAAAAAAAAAAAAAAAIQAAABgAAAAUAAAA0AIAANgJAABwNQAAsCUAABAAAAAmAAAACAAAAAAgAAAAAAAA"/>
-              </a:ext>
-            </a:extLst>
-          </p:cNvSpPr>
-          <p:nvPr>
-            <p:ph type="body" idx="1"/>
-          </p:nvPr>
-        </p:nvSpPr>
-        <p:spPr/>
-        <p:txBody>
-          <a:bodyPr vert="horz" wrap="square" lIns="91440" tIns="45720" rIns="91440" bIns="45720" numCol="1" spcCol="215900" anchor="t">
-            <a:prstTxWarp prst="textNoShape">
-              <a:avLst/>
-            </a:prstTxWarp>
-          </a:bodyPr>
-          <a:lstStyle/>
-          <a:p>
-            <a:pPr>
-              <a:lnSpc>
-                <a:spcPct val="80000"/>
-              </a:lnSpc>
-              <a:spcBef>
-                <a:spcPts val="705"/>
-              </a:spcBef>
-              <a:buNone/>
-              <a:defRPr lang="fr-fr" sz="2945" cap="none"/>
-            </a:pPr>
-            <a:r>
-              <a:t>moveIndex = 0</a:t>
-            </a:r>
-          </a:p>
-          <a:p>
-            <a:pPr>
-              <a:lnSpc>
-                <a:spcPct val="80000"/>
-              </a:lnSpc>
-              <a:spcBef>
-                <a:spcPts val="705"/>
-              </a:spcBef>
-              <a:buNone/>
-              <a:defRPr lang="fr-fr" sz="2945" cap="none"/>
-            </a:pPr>
-            <a:r>
-              <a:t>moves[moveIndex++] = mvSlice(A)</a:t>
-            </a:r>
-          </a:p>
-          <a:p>
-            <a:pPr>
-              <a:lnSpc>
-                <a:spcPct val="80000"/>
-              </a:lnSpc>
-              <a:spcBef>
-                <a:spcPts val="705"/>
-              </a:spcBef>
-              <a:buNone/>
-              <a:defRPr lang="fr-fr" sz="2945" cap="none"/>
-            </a:pPr>
-            <a:r>
-              <a:t>moves[moveIndex++] = mvSlice(lalpha)</a:t>
-            </a:r>
-          </a:p>
-          <a:p>
-            <a:pPr>
-              <a:lnSpc>
-                <a:spcPct val="80000"/>
-              </a:lnSpc>
-              <a:spcBef>
-                <a:spcPts val="705"/>
-              </a:spcBef>
-              <a:buNone/>
-              <a:defRPr lang="fr-fr" sz="2945" cap="none"/>
-            </a:pPr>
-            <a:r>
-              <a:t>moves[moveIndex++] = mvSlide(A)</a:t>
-            </a:r>
-          </a:p>
-          <a:p>
-            <a:pPr>
-              <a:lnSpc>
-                <a:spcPct val="80000"/>
-              </a:lnSpc>
-              <a:spcBef>
-                <a:spcPts val="705"/>
-              </a:spcBef>
-              <a:buNone/>
-              <a:defRPr lang="fr-fr" sz="2945" cap="none"/>
-            </a:pPr>
-            <a:r>
-              <a:t>moves[moveIndex++] = mvSlide(lalpha)</a:t>
-            </a:r>
-          </a:p>
-          <a:p>
-            <a:pPr>
-              <a:lnSpc>
-                <a:spcPct val="80000"/>
-              </a:lnSpc>
-              <a:spcBef>
-                <a:spcPts val="705"/>
-              </a:spcBef>
-              <a:buNone/>
-              <a:defRPr lang="fr-fr" sz="2945" cap="none"/>
-            </a:pPr>
-            <a:r>
-              <a:t>moves[moveIndex++] = mvScale(A)</a:t>
-            </a:r>
-          </a:p>
-          <a:p>
-            <a:pPr>
-              <a:lnSpc>
-                <a:spcPct val="80000"/>
-              </a:lnSpc>
-              <a:spcBef>
-                <a:spcPts val="705"/>
-              </a:spcBef>
-              <a:buNone/>
-              <a:defRPr lang="fr-fr" sz="2945" cap="none"/>
-            </a:pPr>
-            <a:r>
-              <a:t>#...</a:t>
-            </a:r>
-          </a:p>
-          <a:p>
-            <a:pPr>
-              <a:lnSpc>
-                <a:spcPct val="80000"/>
-              </a:lnSpc>
-              <a:spcBef>
-                <a:spcPts val="705"/>
-              </a:spcBef>
-              <a:buNone/>
-              <a:defRPr lang="fr-fr" sz="2945" cap="none"/>
-            </a:pPr>
-            <a:r>
-              <a:t>mymcmc = mcmcmc(mymodel, monitors, moves, moveschedule="random", nchains=4, nruns=2)</a:t>
-            </a:r>
-          </a:p>
-          <a:p>
-            <a:pPr>
-              <a:lnSpc>
-                <a:spcPct val="80000"/>
-              </a:lnSpc>
-              <a:spcBef>
-                <a:spcPts val="705"/>
-              </a:spcBef>
-              <a:buNone/>
-              <a:defRPr lang="fr-fr" sz="2945" cap="none"/>
-            </a:pPr>
-          </a:p>
-        </p:txBody>
-      </p:sp>
-    </p:spTree>
-  </p:cSld>
-  <p:clrMapOvr>
-    <a:masterClrMapping/>
-  </p:clrMapOvr>
-  <p:timing>
-    <p:tnLst>
-      <p:par>
-        <p:cTn id="1" dur="indefinite" restart="never" nodeType="tmRoot"/>
-      </p:par>
-    </p:tnLst>
-  </p:timing>
-</p:sld>
-</file>
-
 <file path=ppt/slides/slide42.xml><?xml version="1.0" encoding="utf-8"?>
 <p:sld xmlns:p="http://schemas.openxmlformats.org/presentationml/2006/main" xmlns:mc="http://schemas.openxmlformats.org/markup-compatibility/2006" xmlns:p14="http://schemas.microsoft.com/office/powerpoint/2010/main" xmlns:p15="http://schemas.microsoft.com/office/powerpoint/2012/main" xmlns:r="http://schemas.openxmlformats.org/officeDocument/2006/relationships" xmlns:a="http://schemas.openxmlformats.org/drawingml/2006/main" mc:Ignorable="p14" show="0">
   <p:cSld>
@@ -14646,7 +14599,7 @@
             <a:spLocks noGrp="1" noChangeArrowheads="1"/>
             <a:extLst>
               <a:ext uri="smNativeData">
-                <pr:smNativeData xmlns:pr="smNativeData" xmlns="smNativeData" val="SMDATA_15_iunWYhMAAAAlAAAAZAAAAA0AAAAAkAAAAEgAAACQAAAASAAAAAAAAAABAAAAAAAAAAEAAABQAAAAAAAAAAAA4D8AAAAAAADgPwAAAAAAAOA/AAAAAAAA4D8AAAAAAADgPwAAAAAAAOA/AAAAAAAA4D8AAAAAAADgPwAAAAAAAOA/AAAAAAAA4D8CAAAAjAAAAAAAAAAAAAAAT4G9DP///wgAAAAAAAAAAAAAAAAAAAAAAAAAAAAAAAAAAAAAZAAAAAEAAABAAAAAAAAAAAAAAAAAAAAAAAAAAAAAAAAAAAAAAAAAAAAAAAAAAAAAAAAAAAAAAAAAAAAAAAAAAAAAAAAAAAAAAAAAAAAAAAAAAAAAAAAAAAAAAAAAAAAAFAAAADwAAAAAAAAAAAAAAAAAAAkUAAAAAQAAABQAAAAUAAAAFAAAAAEAAAAAAAAAZAAAAGQAAAAAAAAAZAAAAGQAAAAVAAAAYAAAAAAAAAAAAAAADwAAACADAAAAAAAAAAAAAAEAAACgMgAAVgcAAKr4//8BAAAAf39/AAEAAABkAAAAAAAAABQAAABAHwAAAAAAACYAAAAAAAAAwOD//wAAAAAmAAAAZAAAABYAAABMAAAAAAAAAAAAAAAEAAAAAAAAAAEAAADu7OEKAAAAACgAAAAoAAAAZAAAAGQAAAAAAAAAzMzMAAAAAABQAAAAUAAAAGQAAABkAAAAAAAAABcAAAAUAAAAAAAAAAAAAAD/fwAA/38AAAAAAAAJAAAABAAAAAAAAAEeAAAAaAAAAAAAAAAAAAAAAAAAAAAAAAAAAAAAECcAABAnAAAAAAAAAAAAAAAAAAAAAAAAAAAAAAAAAAAAAAAAAAAAABQAAAAAAAAAwMD/AAAAAABkAAAAMgAAAAAAAABkAAAAAAAAAH9/fwAKAAAAIgAAABgAAAAAAAAAAAAAAAAAAAAAAAAAAAAAAAAAAAAkAAAAJAAAAAAAAAAHAAAAAAAAAAAAAAAAAAAAAAAAAAAAAAAAAAAAf39/ACUAAABYAAAAAAAAAAAAAAAAAAAAAAAAAAAAAAAAAAAAAAAAAAAAAAAAAAAAAAAAAAAAAAA/AAAAAAAAAKCGAQAAAAAAAAAAAAAAAAAMAAAAAQAAAAAAAAAAAAAAAAAAAB8AAABUAAAAT4G9Bf///wEAAAAAAAAAAAAAAAAAAAAAAAAAAAAAAAAAAAAAAAAAAAAAAAJ/f38A7uzhA8zMzADAwP8Af39/AAAAAAAAAAAAAAAAAAAAAAAAAAAAIQAAABgAAAAUAAAA0AIAAAAAAABwNQAACAcAABAAAAAmAAAACAAAAAEgAAAAAAAA"/>
+                <pr:smNativeData xmlns:pr="smNativeData" xmlns="smNativeData" val="SMDATA_15_0rbXYhMAAAAlAAAAZAAAAA0AAAAAkAAAAEgAAACQAAAASAAAAAAAAAABAAAAAAAAAAEAAABQAAAAAAAAAAAA4D8AAAAAAADgPwAAAAAAAOA/AAAAAAAA4D8AAAAAAADgPwAAAAAAAOA/AAAAAAAA4D8AAAAAAADgPwAAAAAAAOA/AAAAAAAA4D8CAAAAjAAAAAAAAAAAAAAAT4G9DP///wgAAAAAAAAAAAAAAAAAAAAAAAAAAAAAAAAAAAAAZAAAAAEAAABAAAAAAAAAAAAAAAAAAAAAAAAAAAAAAAAAAAAAAAAAAAAAAAAAAAAAAAAAAAAAAAAAAAAAAAAAAAAAAAAAAAAAAAAAAAAAAAAAAAAAAAAAAAAAAAAAAAAAFAAAADwAAAAAAAAAAAAAAAAAAAkUAAAAAQAAABQAAAAUAAAAFAAAAAEAAAAAAAAAZAAAAGQAAAAAAAAAZAAAAGQAAAAVAAAAYAAAAAAAAAAAAAAADwAAACADAAAAAAAAAAAAAAEAAACgMgAAVgcAAKr4//8BAAAAf39/AAEAAABkAAAAAAAAABQAAABAHwAAAAAAACYAAAAAAAAAwOD//wAAAAAmAAAAZAAAABYAAABMAAAAAAAAAAAAAAAEAAAAAAAAAAEAAADu7OEKAAAAACgAAAAoAAAAZAAAAGQAAAAAAAAAzMzMAAAAAABQAAAAUAAAAGQAAABkAAAAAAAAABcAAAAUAAAAAAAAAAAAAAD/fwAA/38AAAAAAAAJAAAABAAAAAAAAAAeAAAAaAAAAAAAAAAAAAAAAAAAAAAAAAAAAAAAECcAABAnAAAAAAAAAAAAAAAAAAAAAAAAAAAAAAAAAAAAAAAAAAAAABQAAAAAAAAAwMD/AAAAAABkAAAAMgAAAAAAAABkAAAAAAAAAH9/fwAKAAAAIgAAABgAAAAAAAAAAAAAAAAAAAAAAAAAAAAAAAAAAAAkAAAAJAAAAAAAAAAHAAAAAAAAAAAAAAAAAAAAAAAAAAAAAAAAAAAAf39/ACUAAABYAAAAAAAAAAAAAAAAAAAAAAAAAAAAAAAAAAAAAAAAAAAAAAAAAAAAAAAAAAAAAAA/AAAAAAAAAKCGAQAAAAAAAAAAAAAAAAAMAAAAAQAAAAAAAAAAAAAAAAAAAB8AAABUAAAAT4G9Bf///wEAAAAAAAAAAAAAAAAAAAAAAAAAAAAAAAAAAAAAAAAAAAAAAAJ/f38A7uzhA8zMzADAwP8Af39/AAAAAAAAAAAAAAAAAAAAAAAAAAAAIQAAABgAAAAUAAAA0AIAALEBAABwNQAAuQgAABAAAAAmAAAACAAAAAAgAAAAAAAA"/>
               </a:ext>
             </a:extLst>
           </p:cNvSpPr>
@@ -14654,12 +14607,7 @@
             <p:ph type="title"/>
           </p:nvPr>
         </p:nvSpPr>
-        <p:spPr>
-          <a:xfrm>
-            <a:off x="457200" y="0"/>
-            <a:ext cx="8229600" cy="1143000"/>
-          </a:xfrm>
-        </p:spPr>
+        <p:spPr/>
         <p:txBody>
           <a:bodyPr vert="horz" wrap="square" lIns="91440" tIns="45720" rIns="91440" bIns="45720" numCol="1" spcCol="215900" anchor="ctr">
             <a:prstTxWarp prst="textNoShape">
@@ -14669,82 +14617,174 @@
           <a:lstStyle/>
           <a:p>
             <a:pPr>
-              <a:defRPr lang="fr-fr"/>
-            </a:pPr>
-            <a:r>
-              <a:t>Convergence plots with coda</a:t>
+              <a:spcBef>
+                <a:spcPts val="0"/>
+              </a:spcBef>
+              <a:defRPr lang="fr-fr" sz="3960" cap="none"/>
+            </a:pPr>
+            <a:r>
+              <a:t>Combining moves and using MCMCMC</a:t>
             </a:r>
           </a:p>
         </p:txBody>
       </p:sp>
-      <p:pic>
-        <p:nvPicPr>
-          <p:cNvPr id="3" name="Image 7"/>
-          <p:cNvPicPr>
-            <a:picLocks noChangeAspect="1"/>
-            <a:extLst>
-              <a:ext uri="smNativeData">
-                <pr:smNativeData xmlns:pr="smNativeData" xmlns="smNativeData" val="SMDATA_17_iunWYhMAAAAlAAAAEQAAAC0AAAAAkAAAAEgAAACQAAAASAAAAAAAAAAAAAAAAAAAAAEAAABQAAAAAAAAAAAA4D8AAAAAAADgPwAAAAAAAOA/AAAAAAAA4D8AAAAAAADgPwAAAAAAAOA/AAAAAAAA4D8AAAAAAADgPwAAAAAAAOA/AAAAAAAA4D8CAAAAjAAAAAAAAAAAAAAAT4G9DP///wgAAAAAAAAAAAAAAAAAAAAAAAAAAAAAAAAAAAAAZAAAAAEAAABAAAAAAAAAAAAAAAAAAAAAAAAAAAAAAAAAAAAAAAAAAAAAAAAAAAAAAAAAAAAAAAAAAAAAAAAAAAAAAAAAAAAAAAAAAAAAAAAAAAAAAAAAAAAAAAAAAAAAFAAAADwAAAAAAAAAAAAAAAAAAAkUAAAAAQAAABQAAAAUAAAAFAAAAAEAAAAAAAAAZAAAAGQAAAAAAAAAZAAAAGQAAAAVAAAAYAAAAAAAAAAAAAAADwAAACADAAAAAAAAAAAAAAEAAACgMgAAVgcAAKr4//8BAAAAf39/AAEAAABkAAAAAAAAABQAAABAHwAAAAAAACYAAAAAAAAAwOD//wAAAAAmAAAAZAAAABYAAABMAAAAAAAAAAAAAAAEAAAAAAAAAAEAAADu7OEKAAAAACgAAAAoAAAAZAAAAGQAAAAAAAAAzMzMAAAAAABQAAAAUAAAAGQAAABkAAAAAAAAAAcAAAA4AAAAAAAAAAAAAAAAAAAA////AAAAAAAAAAAAAAAAAAAAAAAAAAAAAAAAAAAAAABkAAAAZAAAAAAAAAAjAAAABAAAAGQAAAAXAAAAFAAAAAAAAAAAAAAA/38AAP9/AAAAAAAACQAAAAQAAAAAAAAAHgAAAGgAAAAAAAAAAAAAAAAAAAAAAAAAAAAAABAnAAAQJwAAAAAAAAAAAAAAAAAAAAAAAAAAAAAAAAAAAAAAAAAAAAAUAAAAAAAAAMDA/wAAAAAAZAAAADIAAAAAAAAAZAAAAAAAAAB/f38ACgAAACIAAAAYAAAAAAAAAAAAAAAAAAAAAAAAAAAAAAAAAAAAJAAAACQAAAAAAAAABwAAAAAAAAAAAAAAAAAAAAAAAAAAAAAAAAAAAH9/fwAlAAAAWAAAAAAAAAAAAAAAAAAAAAAAAAAAAAAAAAAAAAAAAAAAAAAAAAAAAAAAAAAAAAAAPwAAAAAAAACghgEAAAAAAAAAAAAAAAAADAAAAAEAAAAAAAAAAAAAAAAAAAAfAAAAVAAAAE+BvQX///8BAAAAAAAAAAAAAAAAAAAAAAAAAAAAAAAAAAAAAAAAAAAAAAACf39/AO7s4QPMzMwAwMD/AH9/fwAAAAAAAAAAAAAAAAD///8AAAAAACEAAAAYAAAAFAAAAAAAAACECAAAwRkAADAqAAAQAAAAJgAAAAgAAAD//////////w=="/>
-              </a:ext>
-            </a:extLst>
-          </p:cNvPicPr>
-          <p:nvPr/>
-        </p:nvPicPr>
-        <p:blipFill>
-          <a:blip r:embed="rId2"/>
-          <a:stretch>
-            <a:fillRect/>
-          </a:stretch>
-        </p:blipFill>
-        <p:spPr>
-          <a:xfrm>
-            <a:off x="0" y="1384300"/>
-            <a:ext cx="4186555" cy="5473700"/>
-          </a:xfrm>
-          <a:prstGeom prst="rect">
-            <a:avLst/>
-          </a:prstGeom>
-          <a:noFill/>
-          <a:ln>
-            <a:noFill/>
-          </a:ln>
-          <a:effectLst/>
-        </p:spPr>
-      </p:pic>
-      <p:pic>
-        <p:nvPicPr>
-          <p:cNvPr id="4" name="Image 8"/>
-          <p:cNvPicPr>
-            <a:picLocks noChangeAspect="1"/>
-            <a:extLst>
-              <a:ext uri="smNativeData">
-                <pr:smNativeData xmlns:pr="smNativeData" xmlns="smNativeData" val="SMDATA_17_iunWYhMAAAAlAAAAEQAAAC0AAAAAkAAAAEgAAACQAAAASAAAAAAAAAAAAAAAAAAAAAEAAABQAAAAAAAAAAAA4D8AAAAAAADgPwAAAAAAAOA/AAAAAAAA4D8AAAAAAADgPwAAAAAAAOA/AAAAAAAA4D8AAAAAAADgPwAAAAAAAOA/AAAAAAAA4D8CAAAAjAAAAAAAAAAAAAAAT4G9DP///wgAAAAAAAAAAAAAAAAAAAAAAAAAAAAAAAAAAAAAZAAAAAEAAABAAAAAAAAAAAAAAAAAAAAAAAAAAAAAAAAAAAAAAAAAAAAAAAAAAAAAAAAAAAAAAAAAAAAAAAAAAAAAAAAAAAAAAAAAAAAAAAAAAAAAAAAAAAAAAAAAAAAAFAAAADwAAAAAAAAAAAAAAAAAAAkUAAAAAQAAABQAAAAUAAAAFAAAAAEAAAAAAAAAZAAAAGQAAAAAAAAAZAAAAGQAAAAVAAAAYAAAAAAAAAAAAAAADwAAACADAAAAAAAAAAAAAAEAAACgMgAAVgcAAKr4//8BAAAAf39/AAEAAABkAAAAAAAAABQAAABAHwAAAAAAACYAAAAAAAAAwOD//wAAAAAmAAAAZAAAABYAAABMAAAAAAAAAAAAAAAEAAAAAAAAAAEAAADu7OEKAAAAACgAAAAoAAAAZAAAAGQAAAAAAAAAzMzMAAAAAABQAAAAUAAAAGQAAABkAAAAAAAAAAcAAAA4AAAAAAAAAAAAAAAAAAAA////AAAAAAAAAAAAAAAAAAAAAAAAAAAAAAAAAAAAAABkAAAAZAAAAAAAAAAjAAAABAAAAGQAAAAXAAAAFAAAAAAAAAAAAAAA/38AAP9/AAAAAAAACQAAAAQAAAAAAAAAHgAAAGgAAAAAAAAAAAAAAAAAAAAAAAAAAAAAABAnAAAQJwAAAAAAAAAAAAAAAAAAAAAAAAAAAAAAAAAAAAAAAAAAAAAUAAAAAAAAAMDA/wAAAAAAZAAAADIAAAAAAAAAZAAAAAAAAAB/f38ACgAAACIAAAAYAAAAAAAAAAAAAAAAAAAAAAAAAAAAAAAAAAAAJAAAACQAAAAAAAAABwAAAAAAAAAAAAAAAAAAAAAAAAAAAAAAAAAAAH9/fwAlAAAAWAAAAAAAAAAAAAAAAAAAAAAAAAAAAAAAAAAAAAAAAAAAAAAAAAAAAAAAAAAAAAAAPwAAAAAAAACghgEAAAAAAAAAAAAAAAAADAAAAAEAAAAAAAAAAAAAAAAAAAAfAAAAVAAAAE+BvQX///8BAAAAAAAAAAAAAAAAAAAAAAAAAAAAAAAAAAAAAAAAAAAAAAACf39/AO7s4QPMzMwAwMD/AH9/fwAAAAAAAAAAAAAAAAD///8AAAAAACEAAAAYAAAAFAAAAMEZAABlDQAAQDgAAOwiAAAQAAAAJgAAAAgAAAD//////////w=="/>
-              </a:ext>
-            </a:extLst>
-          </p:cNvPicPr>
-          <p:nvPr/>
-        </p:nvPicPr>
-        <p:blipFill>
-          <a:blip r:embed="rId3"/>
-          <a:stretch>
-            <a:fillRect/>
-          </a:stretch>
-        </p:blipFill>
-        <p:spPr>
-          <a:xfrm>
-            <a:off x="4186555" y="2177415"/>
-            <a:ext cx="4957445" cy="3499485"/>
-          </a:xfrm>
-          <a:prstGeom prst="rect">
-            <a:avLst/>
-          </a:prstGeom>
-          <a:noFill/>
-          <a:ln>
-            <a:noFill/>
-          </a:ln>
-          <a:effectLst/>
-        </p:spPr>
-      </p:pic>
+      <p:sp>
+        <p:nvSpPr>
+          <p:cNvPr id="3" name="Espace réservé du contenu 2"/>
+          <p:cNvSpPr>
+            <a:spLocks noGrp="1" noChangeArrowheads="1"/>
+            <a:extLst>
+              <a:ext uri="smNativeData">
+                <pr:smNativeData xmlns:pr="smNativeData" xmlns="smNativeData" val="SMDATA_15_0rbXYhMAAAAlAAAAZAAAAA0AAAAAkAAAAEgAAACQAAAASAAAAAAAAAAAAAAAAAAAAAEAAABQAAAAAAAAAAAA4D8AAAAAAADgPwAAAAAAAOA/AAAAAAAA4D8AAAAAAADgPwAAAAAAAOA/AAAAAAAA4D8AAAAAAADgPwAAAAAAAOA/AAAAAAAA4D8CAAAAjAAAAAAAAAAAAAAAT4G9DP///wgAAAAAAAAAAAAAAAAAAAAAAAAAAAAAAAAAAAAAZAAAAAEAAABAAAAAAAAAAAAAAAAAAAAAAAAAAAAAAAAAAAAAAAAAAAAAAAAAAAAAAAAAAAAAAAAAAAAAAAAAAAAAAAAAAAAAAAAAAAAAAAAAAAAAAAAAAAAAAAAAAAAAFAAAADwAAAAAAAAAAAAAAAAAAAkUAAAAAQAAABQAAAAUAAAAFAAAAAEAAAAAAAAAZAAAAGQAAAAAAAAAZAAAAGQAAAAVAAAAYAAAAAAAAAAAAAAADwAAACADAAAAAAAAAAAAAAEAAACgMgAAVgcAAKr4//8BAAAAf39/AAEAAABkAAAAAAAAABQAAABAHwAAAAAAACYAAAAAAAAAwOD//wAAAAAmAAAAZAAAABYAAABMAAAAAAAAAAAAAAAEAAAAAAAAAAEAAADu7OEKAAAAACgAAAAoAAAAZAAAAGQAAAAAAAAAzMzMAAAAAABQAAAAUAAAAGQAAABkAAAAAAAAABcAAAAUAAAAAAAAAAAAAAD/fwAA/38AAAAAAAAJAAAABAAAAAAAAAAeAAAAaAAAAAAAAAAAAAAAAAAAAAAAAAAAAAAAECcAABAnAAAAAAAAAAAAAAAAAAAAAAAAAAAAAAAAAAAAAAAAAAAAABQAAAAAAAAAwMD/AAAAAABkAAAAMgAAAAAAAABkAAAAAAAAAH9/fwAKAAAAIgAAABgAAAAAAAAAAAAAAAAAAAAAAAAAAAAAAAAAAAAkAAAAJAAAAAAAAAAHAAAAAAAAAAAAAAAAAAAAAAAAAAAAAAAAAAAAf39/ACUAAABYAAAAAAAAAAAAAAAAAAAAAAAAAAAAAAAAAAAAAAAAAAAAAAAAAAAAAAAAAAAAAAA/AAAAAAAAAKCGAQAAAAAAAAAAAAAAAAAMAAAAAQAAAAAAAAAAAAAAAAAAAB8AAABUAAAAT4G9Bf///wEAAAAAAAAAAAAAAAAAAAAAAAAAAAAAAAAAAAAAAAAAAAAAAAJ/f38A7uzhA8zMzADAwP8Af39/AAAAAAAAAAAAAAAAAAAAAAAAAAAAIQAAABgAAAAUAAAA0AIAANgJAABwNQAAsCUAABAAAAAmAAAACAAAAAAgAAAAAAAA"/>
+              </a:ext>
+            </a:extLst>
+          </p:cNvSpPr>
+          <p:nvPr>
+            <p:ph type="body" idx="1"/>
+          </p:nvPr>
+        </p:nvSpPr>
+        <p:spPr/>
+        <p:txBody>
+          <a:bodyPr vert="horz" wrap="square" lIns="91440" tIns="45720" rIns="91440" bIns="45720" numCol="1" spcCol="215900" anchor="t">
+            <a:prstTxWarp prst="textNoShape">
+              <a:avLst/>
+            </a:prstTxWarp>
+          </a:bodyPr>
+          <a:lstStyle/>
+          <a:p>
+            <a:pPr>
+              <a:lnSpc>
+                <a:spcPct val="80000"/>
+              </a:lnSpc>
+              <a:spcBef>
+                <a:spcPts val="705"/>
+              </a:spcBef>
+              <a:buNone/>
+              <a:defRPr lang="fr-fr" sz="2945" cap="none"/>
+            </a:pPr>
+            <a:r>
+              <a:t>moveIndex = 0</a:t>
+            </a:r>
+          </a:p>
+          <a:p>
+            <a:pPr>
+              <a:lnSpc>
+                <a:spcPct val="80000"/>
+              </a:lnSpc>
+              <a:spcBef>
+                <a:spcPts val="705"/>
+              </a:spcBef>
+              <a:buNone/>
+              <a:defRPr lang="fr-fr" sz="2945" cap="none"/>
+            </a:pPr>
+            <a:r>
+              <a:t>moves[moveIndex++] = mvSlice(A)</a:t>
+            </a:r>
+          </a:p>
+          <a:p>
+            <a:pPr>
+              <a:lnSpc>
+                <a:spcPct val="80000"/>
+              </a:lnSpc>
+              <a:spcBef>
+                <a:spcPts val="705"/>
+              </a:spcBef>
+              <a:buNone/>
+              <a:defRPr lang="fr-fr" sz="2945" cap="none"/>
+            </a:pPr>
+            <a:r>
+              <a:t>moves[moveIndex++] = mvSlice(lalpha)</a:t>
+            </a:r>
+          </a:p>
+          <a:p>
+            <a:pPr>
+              <a:lnSpc>
+                <a:spcPct val="80000"/>
+              </a:lnSpc>
+              <a:spcBef>
+                <a:spcPts val="705"/>
+              </a:spcBef>
+              <a:buNone/>
+              <a:defRPr lang="fr-fr" sz="2945" cap="none"/>
+            </a:pPr>
+            <a:r>
+              <a:t>moves[moveIndex++] = mvSlide(A)</a:t>
+            </a:r>
+          </a:p>
+          <a:p>
+            <a:pPr>
+              <a:lnSpc>
+                <a:spcPct val="80000"/>
+              </a:lnSpc>
+              <a:spcBef>
+                <a:spcPts val="705"/>
+              </a:spcBef>
+              <a:buNone/>
+              <a:defRPr lang="fr-fr" sz="2945" cap="none"/>
+            </a:pPr>
+            <a:r>
+              <a:t>moves[moveIndex++] = mvSlide(lalpha)</a:t>
+            </a:r>
+          </a:p>
+          <a:p>
+            <a:pPr>
+              <a:lnSpc>
+                <a:spcPct val="80000"/>
+              </a:lnSpc>
+              <a:spcBef>
+                <a:spcPts val="705"/>
+              </a:spcBef>
+              <a:buNone/>
+              <a:defRPr lang="fr-fr" sz="2945" cap="none"/>
+            </a:pPr>
+            <a:r>
+              <a:t>moves[moveIndex++] = mvScale(A)</a:t>
+            </a:r>
+          </a:p>
+          <a:p>
+            <a:pPr>
+              <a:lnSpc>
+                <a:spcPct val="80000"/>
+              </a:lnSpc>
+              <a:spcBef>
+                <a:spcPts val="705"/>
+              </a:spcBef>
+              <a:buNone/>
+              <a:defRPr lang="fr-fr" sz="2945" cap="none"/>
+            </a:pPr>
+            <a:r>
+              <a:t>#...</a:t>
+            </a:r>
+          </a:p>
+          <a:p>
+            <a:pPr>
+              <a:lnSpc>
+                <a:spcPct val="80000"/>
+              </a:lnSpc>
+              <a:spcBef>
+                <a:spcPts val="705"/>
+              </a:spcBef>
+              <a:buNone/>
+              <a:defRPr lang="fr-fr" sz="2945" cap="none"/>
+            </a:pPr>
+            <a:r>
+              <a:t>mymcmc = mcmcmc(mymodel, monitors, moves, moveschedule="random", nchains=4, nruns=2)</a:t>
+            </a:r>
+          </a:p>
+          <a:p>
+            <a:pPr>
+              <a:lnSpc>
+                <a:spcPct val="80000"/>
+              </a:lnSpc>
+              <a:spcBef>
+                <a:spcPts val="705"/>
+              </a:spcBef>
+              <a:buNone/>
+              <a:defRPr lang="fr-fr" sz="2945" cap="none"/>
+            </a:pPr>
+          </a:p>
+        </p:txBody>
+      </p:sp>
     </p:spTree>
   </p:cSld>
   <p:clrMapOvr>
@@ -14784,7 +14824,7 @@
             <a:spLocks noGrp="1" noChangeArrowheads="1"/>
             <a:extLst>
               <a:ext uri="smNativeData">
-                <pr:smNativeData xmlns:pr="smNativeData" xmlns="smNativeData" val="SMDATA_15_iunWYhMAAAAlAAAAZAAAAA0AAAAAkAAAAEgAAACQAAAASAAAAAAAAAABAAAAAAAAAAEAAABQAAAAAAAAAAAA4D8AAAAAAADgPwAAAAAAAOA/AAAAAAAA4D8AAAAAAADgPwAAAAAAAOA/AAAAAAAA4D8AAAAAAADgPwAAAAAAAOA/AAAAAAAA4D8CAAAAjAAAAAAAAAAAAAAAT4G9DP///wgAAAAAAAAAAAAAAAAAAAAAAAAAAAAAAAAAAAAAZAAAAAEAAABAAAAAAAAAAAAAAAAAAAAAAAAAAAAAAAAAAAAAAAAAAAAAAAAAAAAAAAAAAAAAAAAAAAAAAAAAAAAAAAAAAAAAAAAAAAAAAAAAAAAAAAAAAAAAAAAAAAAAFAAAADwAAAAAAAAAAAAAAAAAAAkUAAAAAQAAABQAAAAUAAAAFAAAAAEAAAAAAAAAZAAAAGQAAAAAAAAAZAAAAGQAAAAVAAAAYAAAAAAAAAAAAAAADwAAACADAAAAAAAAAAAAAAEAAACgMgAAVgcAAKr4//8BAAAAf39/AAEAAABkAAAAAAAAABQAAABAHwAAAAAAACYAAAAAAAAAwOD//wAAAAAmAAAAZAAAABYAAABMAAAAAAAAAAAAAAAEAAAAAAAAAAEAAADu7OEKAAAAACgAAAAoAAAAZAAAAGQAAAAAAAAAzMzMAAAAAABQAAAAUAAAAGQAAABkAAAAAAAAABcAAAAUAAAAAAAAAAAAAAD/fwAA/38AAAAAAAAJAAAABAAAAAAHSGAeAAAAaAAAAAAAAAAAAAAAAAAAAAAAAAAAAAAAECcAABAnAAAAAAAAAAAAAAAAAAAAAAAAAAAAAAAAAAAAAAAAAAAAABQAAAAAAAAAwMD/AAAAAABkAAAAMgAAAAAAAABkAAAAAAAAAH9/fwAKAAAAIgAAABgAAAAAAAAAAAAAAAAAAAAAAAAAAAAAAAAAAAAkAAAAJAAAAAAAAAAHAAAAAAAAAAAAAAAAAAAAAAAAAAAAAAAAAAAAf39/ACUAAABYAAAAAAAAAAAAAAAAAAAAAAAAAAAAAAAAAAAAAAAAAAAAAAAAAAAAAAAAAAAAAAA/AAAAAAAAAKCGAQAAAAAAAAAAAAAAAAAMAAAAAQAAAAAAAAAAAAAAAAAAAB8AAABUAAAAT4G9Bf///wEAAAAAAAAAAAAAAAAAAAAAAAAAAAAAAAAAAAAAAAAAAAAAAAJ/f38A7uzhA8zMzADAwP8Af39/AAAAAAAAAAAAAAAAAAAAAAAAAAAAIQAAABgAAAAUAAAA0AIAADf///9wNQAAPwYAABAAAAAmAAAACAAAAAEgAAAAAAAA"/>
+                <pr:smNativeData xmlns:pr="smNativeData" xmlns="smNativeData" val="SMDATA_15_0rbXYhMAAAAlAAAAZAAAAA0AAAAAkAAAAEgAAACQAAAASAAAAAAAAAABAAAAAAAAAAEAAABQAAAAAAAAAAAA4D8AAAAAAADgPwAAAAAAAOA/AAAAAAAA4D8AAAAAAADgPwAAAAAAAOA/AAAAAAAA4D8AAAAAAADgPwAAAAAAAOA/AAAAAAAA4D8CAAAAjAAAAAAAAAAAAAAAT4G9DP///wgAAAAAAAAAAAAAAAAAAAAAAAAAAAAAAAAAAAAAZAAAAAEAAABAAAAAAAAAAAAAAAAAAAAAAAAAAAAAAAAAAAAAAAAAAAAAAAAAAAAAAAAAAAAAAAAAAAAAAAAAAAAAAAAAAAAAAAAAAAAAAAAAAAAAAAAAAAAAAAAAAAAAFAAAADwAAAAAAAAAAAAAAAAAAAkUAAAAAQAAABQAAAAUAAAAFAAAAAEAAAAAAAAAZAAAAGQAAAAAAAAAZAAAAGQAAAAVAAAAYAAAAAAAAAAAAAAADwAAACADAAAAAAAAAAAAAAEAAACgMgAAVgcAAKr4//8BAAAAf39/AAEAAABkAAAAAAAAABQAAABAHwAAAAAAACYAAAAAAAAAwOD//wAAAAAmAAAAZAAAABYAAABMAAAAAAAAAAAAAAAEAAAAAAAAAAEAAADu7OEKAAAAACgAAAAoAAAAZAAAAGQAAAAAAAAAzMzMAAAAAABQAAAAUAAAAGQAAABkAAAAAAAAABcAAAAUAAAAAAAAAAAAAAD/fwAA/38AAAAAAAAJAAAABAAAAAAAAAEeAAAAaAAAAAAAAAAAAAAAAAAAAAAAAAAAAAAAECcAABAnAAAAAAAAAAAAAAAAAAAAAAAAAAAAAAAAAAAAAAAAAAAAABQAAAAAAAAAwMD/AAAAAABkAAAAMgAAAAAAAABkAAAAAAAAAH9/fwAKAAAAIgAAABgAAAAAAAAAAAAAAAAAAAAAAAAAAAAAAAAAAAAkAAAAJAAAAAAAAAAHAAAAAAAAAAAAAAAAAAAAAAAAAAAAAAAAAAAAf39/ACUAAABYAAAAAAAAAAAAAAAAAAAAAAAAAAAAAAAAAAAAAAAAAAAAAAAAAAAAAAAAAAAAAAA/AAAAAAAAAKCGAQAAAAAAAAAAAAAAAAAMAAAAAQAAAAAAAAAAAAAAAAAAAB8AAABUAAAAT4G9Bf///wEAAAAAAAAAAAAAAAAAAAAAAAAAAAAAAAAAAAAAAAAAAAAAAAJ/f38A7uzhA8zMzADAwP8Af39/AAAAAAAAAAAAAAAAAAAAAAAAAAAAIQAAABgAAAAUAAAA0AIAAAAAAABwNQAACAcAABAAAAAmAAAACAAAAAEgAAAAAAAA"/>
               </a:ext>
             </a:extLst>
           </p:cNvSpPr>
@@ -14794,7 +14834,7 @@
         </p:nvSpPr>
         <p:spPr>
           <a:xfrm>
-            <a:off x="457200" y="-127635"/>
+            <a:off x="457200" y="0"/>
             <a:ext cx="8229600" cy="1143000"/>
           </a:xfrm>
         </p:spPr>
@@ -14810,123 +14850,68 @@
               <a:defRPr lang="fr-fr"/>
             </a:pPr>
             <a:r>
-              <a:t>Comparison with Jags</a:t>
+              <a:t>Convergence plots with coda</a:t>
             </a:r>
           </a:p>
         </p:txBody>
       </p:sp>
-      <p:grpSp>
-        <p:nvGrpSpPr>
-          <p:cNvPr id="3" name="Grouper 6"/>
-          <p:cNvGrpSpPr>
-            <a:extLst>
-              <a:ext uri="smNativeData">
-                <pr:smNativeData xmlns:pr="smNativeData" xmlns="smNativeData" val="SMDATA_6_iunWYhMAAAAlAAAAAQAAAA8BAAAAkAAAAEgAAACQAAAASAAAAAAAAAAAAAAAAAAAABcAAAAUAAAAAAAAAAAAAAD/fwAA/38AAAAAAAAJAAAABAAAAAAAAAAfAAAAVAAAAAAAAAAAAAAAAAAAAAAAAAAAAAAAAAAAAAAAAAAAAAAAAAAAAAAAAAAAAAAAAAAAAAAAAAAAAAAAAAAAAAAAAAAAAAAAAAAAAAAAAAAAAAAAAAAAACEAAAAYAAAAFAAAAAAAAABcCAAAZhkAALAnAAAQAAAAJgAAAAgAAAD/////AAAAAA=="/>
-              </a:ext>
-            </a:extLst>
-          </p:cNvGrpSpPr>
-          <p:nvPr/>
-        </p:nvGrpSpPr>
-        <p:grpSpPr>
-          <a:xfrm>
-            <a:off x="0" y="1358900"/>
-            <a:ext cx="4128770" cy="5092700"/>
-            <a:chOff x="0" y="1358900"/>
-            <a:chExt cx="4128770" cy="5092700"/>
-          </a:xfrm>
-        </p:grpSpPr>
-        <p:pic>
-          <p:nvPicPr>
-            <p:cNvPr id="5" name="Image 4"/>
-            <p:cNvPicPr>
-              <a:picLocks noChangeAspect="1"/>
-              <a:extLst>
-                <a:ext uri="smNativeData">
-                  <pr:smNativeData xmlns:pr="smNativeData" xmlns="smNativeData" val="SMDATA_17_iunWYhMAAAAlAAAAEQAAAC0AAAAAkAAAAEgAAACQAAAASAAAAAAAAAAAAAAAAAAAAAEAAABQAAAAAAAAAAAA4D8AAAAAAADgPwAAAAAAAOA/AAAAAAAA4D8AAAAAAADgPwAAAAAAAOA/AAAAAAAA4D8AAAAAAADgPwAAAAAAAOA/AAAAAAAA4D8CAAAAjAAAAAAAAAAAAAAAT4G9DP///wgAAAAAAAAAAAAAAAAAAAAAAAAAAAAAAAAAAAAAZAAAAAEAAABAAAAAAAAAAAAAAAAAAAAAAAAAAAAAAAAAAAAAAAAAAAAAAAAAAAAAAAAAAAAAAAAAAAAAAAAAAAAAAAAAAAAAAAAAAAAAAAAAAAAAAAAAAAAAAAAAAAAAFAAAADwAAAAAAAAAAAAAAAAAAAkUAAAAAQAAABQAAAAUAAAAFAAAAAEAAAAAAAAAZAAAAGQAAAAAAAAAZAAAAGQAAAAVAAAAYAAAAAAAAAAAAAAADwAAACADAAAAAAAAAAAAAAEAAACgMgAAVgcAAKr4//8BAAAAf39/AAEAAABkAAAAAAAAABQAAABAHwAAAAAAACYAAAAAAAAAwOD//wAAAAAmAAAAZAAAABYAAABMAAAAAAAAAAAAAAAEAAAAAAAAAAEAAADu7OEKAAAAACgAAAAoAAAAZAAAAGQAAAAAAAAAzMzMAAAAAABQAAAAUAAAAGQAAABkAAAAAAAAAAcAAAA4AAAAAAAAAAAAAAAAAAAA////AAAAAAAAAAAAAAAAAAAAAAAAAAAAAAAAAAAAAABkAAAAZAAAAAAAAAAjAAAABAAAAGQAAAAXAAAAFAAAAAAAAAAAAAAA/38AAP9/AAAAAAAACQAAAAQAAAAAAAAAHgAAAGgAAAAAAAAAAAAAAAAAAAAAAAAAAAAAABAnAAAQJwAAAAAAAAAAAAAAAAAAAAAAAAAAAAAAAAAAAAAAAAAAAAAUAAAAAAAAAMDA/wAAAAAAZAAAADIAAAAAAAAAZAAAAAAAAAB/f38ACgAAACIAAAAYAAAAAAAAAAAAAAAAAAAAAAAAAAAAAAAAAAAAJAAAACQAAAAAAAAABwAAAAAAAAAAAAAAAAAAAAAAAAAAAAAAAAAAAH9/fwAlAAAAWAAAAAAAAAAAAAAAAAAAAAAAAAAAAAAAAAAAAAAAAAAAAAAAAAAAAAAAAAAAAAAAPwAAAAAAAACghgEAAAAAAAAAAAAAAAAADAAAAAEAAAAAAAAAAAAAAAAAAAAfAAAAVAAAAE+BvQX///8BAAAAAAAAAAAAAAAAAAAAAAAAAAAAAAAAAAAAAAAAAAAAAAACf39/AO7s4QPMzMwAwMD/AH9/fwAAAAAAAAAAAAAAAAD///8AAAAAACEAAAAYAAAAFAAAAAAAAABcCAAAZhkAAC0ZAAAAAAAAJgAAAAgAAAD//////////w=="/>
-                </a:ext>
-              </a:extLst>
-            </p:cNvPicPr>
-            <p:nvPr/>
-          </p:nvPicPr>
-          <p:blipFill>
-            <a:blip r:embed="rId2"/>
-            <a:stretch>
-              <a:fillRect/>
-            </a:stretch>
-          </p:blipFill>
-          <p:spPr>
-            <a:xfrm>
-              <a:off x="0" y="1358900"/>
-              <a:ext cx="4128770" cy="2733675"/>
-            </a:xfrm>
-            <a:prstGeom prst="rect">
-              <a:avLst/>
-            </a:prstGeom>
-            <a:noFill/>
-            <a:ln>
-              <a:noFill/>
-            </a:ln>
-            <a:effectLst/>
-          </p:spPr>
-        </p:pic>
-        <p:pic>
-          <p:nvPicPr>
-            <p:cNvPr id="4" name="Image 5"/>
-            <p:cNvPicPr>
-              <a:picLocks noChangeAspect="1"/>
-              <a:extLst>
-                <a:ext uri="smNativeData">
-                  <pr:smNativeData xmlns:pr="smNativeData" xmlns="smNativeData" val="SMDATA_17_iunWYhMAAAAlAAAAEQAAAC0AAAAAkAAAAEgAAACQAAAASAAAAAAAAAAAAAAAAAAAAAEAAABQAAAAAAAAAAAA4D8AAAAAAADgPwAAAAAAAOA/AAAAAAAA4D8AAAAAAADgPwAAAAAAAOA/AAAAAAAA4D8AAAAAAADgPwAAAAAAAOA/AAAAAAAA4D8CAAAAjAAAAAAAAAAAAAAAT4G9DP///wgAAAAAAAAAAAAAAAAAAAAAAAAAAAAAAAAAAAAAZAAAAAEAAABAAAAAAAAAAAAAAAAAAAAAAAAAAAAAAAAAAAAAAAAAAAAAAAAAAAAAAAAAAAAAAAAAAAAAAAAAAAAAAAAAAAAAAAAAAAAAAAAAAAAAAAAAAAAAAAAAAAAAFAAAADwAAAAAAAAAAAAAAAAAAAkUAAAAAQAAABQAAAAUAAAAFAAAAAEAAAAAAAAAZAAAAGQAAAAAAAAAZAAAAGQAAAAVAAAAYAAAAAAAAAAAAAAADwAAACADAAAAAAAAAAAAAAEAAACgMgAAVgcAAKr4//8BAAAAf39/AAEAAABkAAAAAAAAABQAAABAHwAAAAAAACYAAAAAAAAAwOD//wAAAAAmAAAAZAAAABYAAABMAAAAAAAAAAAAAAAEAAAAAAAAAAEAAADu7OEKAAAAACgAAAAoAAAAZAAAAGQAAAAAAAAAzMzMAAAAAABQAAAAUAAAAGQAAABkAAAAAAAAAAcAAAA4AAAAAAAAAAAAAAAAAAAA////AAAAAAAAAAAAAAAAAAAAAAAAAAAAAAAAAAAAAABkAAAAZAAAAAAAAAAjAAAABAAAAGQAAAAXAAAAFAAAAAAAAAAAAAAA/38AAP9/AAAAAAAACQAAAAQAAAAAAQABHgAAAGgAAAAAAAAAAAAAAAAAAAAAAAAAAAAAABAnAAAQJwAAAAAAAAAAAAAAAAAAAAAAAAAAAAAAAAAAAAAAAAAAAAAUAAAAAAAAAMDA/wAAAAAAZAAAADIAAAAAAAAAZAAAAAAAAAB/f38ACgAAACIAAAAYAAAAAAAAAAAAAAAAAAAAAAAAAAAAAAAAAAAAJAAAACQAAAAAAAAABwAAAAAAAAAAAAAAAAAAAAAAAAAAAAAAAAAAAH9/fwAlAAAAWAAAAAAAAAAAAAAAAAAAAAAAAAAAAAAAAAAAAAAAAAAAAAAAAAAAAAAAAAAAAAAAPwAAAAAAAACghgEAAAAAAAAAAAAAAAAADAAAAAEAAAAAAAAAAAAAAAAAAAAfAAAAVAAAAE+BvQX///8BAAAAAAAAAAAAAAAAAAAAAAAAAAAAAAAAAAAAAAAAAAAAAAACf39/AO7s4QPMzMwAwMD/AH9/fwAAAAAAAAAAAAAAAAD///8AAAAAACEAAAAYAAAAFAAAAAAAAAAiFwAAZhkAALAnAAAAAAAAJgAAAAgAAAD//////////w=="/>
-                </a:ext>
-              </a:extLst>
-            </p:cNvPicPr>
-            <p:nvPr/>
-          </p:nvPicPr>
-          <p:blipFill>
-            <a:blip r:embed="rId3"/>
-            <a:stretch>
-              <a:fillRect/>
-            </a:stretch>
-          </p:blipFill>
-          <p:spPr>
-            <a:xfrm>
-              <a:off x="0" y="3760470"/>
-              <a:ext cx="4128770" cy="2691130"/>
-            </a:xfrm>
-            <a:prstGeom prst="rect">
-              <a:avLst/>
-            </a:prstGeom>
-            <a:noFill/>
-            <a:ln>
-              <a:noFill/>
-            </a:ln>
-            <a:effectLst/>
-          </p:spPr>
-        </p:pic>
-      </p:grpSp>
       <p:pic>
         <p:nvPicPr>
-          <p:cNvPr id="6" name="Image 7"/>
+          <p:cNvPr id="3" name="Image 7"/>
           <p:cNvPicPr>
             <a:picLocks noChangeAspect="1"/>
             <a:extLst>
               <a:ext uri="smNativeData">
-                <pr:smNativeData xmlns:pr="smNativeData" xmlns="smNativeData" val="SMDATA_17_iunWYhMAAAAlAAAAEQAAAC0AAAAAkAAAAEgAAACQAAAASAAAAAAAAAAAAAAAAAAAAAEAAABQAAAAAAAAAAAA4D8AAAAAAADgPwAAAAAAAOA/AAAAAAAA4D8AAAAAAADgPwAAAAAAAOA/AAAAAAAA4D8AAAAAAADgPwAAAAAAAOA/AAAAAAAA4D8CAAAAjAAAAAAAAAAAAAAAT4G9DP///wgAAAAAAAAAAAAAAAAAAAAAAAAAAAAAAAAAAAAAZAAAAAEAAABAAAAAAAAAAAAAAAAAAAAAAAAAAAAAAAAAAAAAAAAAAAAAAAAAAAAAAAAAAAAAAAAAAAAAAAAAAAAAAAAAAAAAAAAAAAAAAAAAAAAAAAAAAAAAAAAAAAAAFAAAADwAAAAAAAAAAAAAAAAAAAkUAAAAAQAAABQAAAAUAAAAFAAAAAEAAAAAAAAAZAAAAGQAAAAAAAAAZAAAAGQAAAAVAAAAYAAAAAAAAAAAAAAADwAAACADAAAAAAAAAAAAAAEAAACgMgAAVgcAAKr4//8BAAAAf39/AAEAAABkAAAAAAAAABQAAABAHwAAAAAAACYAAAAAAAAAwOD//wAAAAAmAAAAZAAAABYAAABMAAAAAAAAAAAAAAAEAAAAAAAAAAEAAADu7OEKAAAAACgAAAAoAAAAZAAAAGQAAAAAAAAAzMzMAAAAAABQAAAAUAAAAGQAAABkAAAAAAAAAAcAAAA4AAAAAAAAAAAAAAAAAAAA////AAAAAAAAAAAAAAAAAAAAAAAAAAAAAAAAAAAAAABkAAAAZAAAAAAAAAAjAAAABAAAAGQAAAAXAAAAFAAAAAAAAAAAAAAA/38AAP9/AAAAAAAACQAAAAQAAAAAAAAAHgAAAGgAAAAAAAAAAAAAAAAAAAAAAAAAAAAAABAnAAAQJwAAAAAAAAAAAAAAAAAAAAAAAAAAAAAAAAAAAAAAAAAAAAAUAAAAAAAAAMDA/wAAAAAAZAAAADIAAAAAAAAAZAAAAAAAAAB/f38ACgAAACIAAAAYAAAAAAAAAAAAAAAAAAAAAAAAAAAAAAAAAAAAJAAAACQAAAAAAAAABwAAAAAAAAAAAAAAAAAAAAAAAAAAAAAAAAAAAH9/fwAlAAAAWAAAAAAAAAAAAAAAAAAAAAAAAAAAAAAAAAAAAAAAAAAAAAAAAAAAAAAAAAAAAAAAPwAAAAAAAACghgEAAAAAAAAAAAAAAAAADAAAAAEAAAAAAAAAAAAAAAAAAAAfAAAAVAAAAE+BvQX///8BAAAAAAAAAAAAAAAAAAAAAAAAAAAAAAAAAAAAAAAAAAAAAAACf39/AO7s4QPMzMwAwMD/AH9/fwAAAAAAAAAAAAAAAAD///8AAAAAACEAAAAYAAAAFAAAAGYZAAAhDQAAQDgAALEiAAAQAAAAJgAAAAgAAAD//////////w=="/>
+                <pr:smNativeData xmlns:pr="smNativeData" xmlns="smNativeData" val="SMDATA_17_0rbXYhMAAAAlAAAAEQAAAC0AAAAAkAAAAEgAAACQAAAASAAAAAAAAAAAAAAAAAAAAAEAAABQAAAAAAAAAAAA4D8AAAAAAADgPwAAAAAAAOA/AAAAAAAA4D8AAAAAAADgPwAAAAAAAOA/AAAAAAAA4D8AAAAAAADgPwAAAAAAAOA/AAAAAAAA4D8CAAAAjAAAAAAAAAAAAAAAT4G9DP///wgAAAAAAAAAAAAAAAAAAAAAAAAAAAAAAAAAAAAAZAAAAAEAAABAAAAAAAAAAAAAAAAAAAAAAAAAAAAAAAAAAAAAAAAAAAAAAAAAAAAAAAAAAAAAAAAAAAAAAAAAAAAAAAAAAAAAAAAAAAAAAAAAAAAAAAAAAAAAAAAAAAAAFAAAADwAAAAAAAAAAAAAAAAAAAkUAAAAAQAAABQAAAAUAAAAFAAAAAEAAAAAAAAAZAAAAGQAAAAAAAAAZAAAAGQAAAAVAAAAYAAAAAAAAAAAAAAADwAAACADAAAAAAAAAAAAAAEAAACgMgAAVgcAAKr4//8BAAAAf39/AAEAAABkAAAAAAAAABQAAABAHwAAAAAAACYAAAAAAAAAwOD//wAAAAAmAAAAZAAAABYAAABMAAAAAAAAAAAAAAAEAAAAAAAAAAEAAADu7OEKAAAAACgAAAAoAAAAZAAAAGQAAAAAAAAAzMzMAAAAAABQAAAAUAAAAGQAAABkAAAAAAAAAAcAAAA4AAAAAAAAAAAAAAAAAAAA////AAAAAAAAAAAAAAAAAAAAAAAAAAAAAAAAAAAAAABkAAAAZAAAAAAAAAAjAAAABAAAAGQAAAAXAAAAFAAAAAAAAAAAAAAA/38AAP9/AAAAAAAACQAAAAQAAAAAAAAAHgAAAGgAAAAAAAAAAAAAAAAAAAAAAAAAAAAAABAnAAAQJwAAAAAAAAAAAAAAAAAAAAAAAAAAAAAAAAAAAAAAAAAAAAAUAAAAAAAAAMDA/wAAAAAAZAAAADIAAAAAAAAAZAAAAAAAAAB/f38ACgAAACIAAAAYAAAAAAAAAAAAAAAAAAAAAAAAAAAAAAAAAAAAJAAAACQAAAAAAAAABwAAAAAAAAAAAAAAAAAAAAAAAAAAAAAAAAAAAH9/fwAlAAAAWAAAAAAAAAAAAAAAAAAAAAAAAAAAAAAAAAAAAAAAAAAAAAAAAAAAAAAAAAAAAAAAPwAAAAAAAACghgEAAAAAAAAAAAAAAAAADAAAAAEAAAAAAAAAAAAAAAAAAAAfAAAAVAAAAE+BvQX///8BAAAAAAAAAAAAAAAAAAAAAAAAAAAAAAAAAAAAAAAAAAAAAAACf39/AO7s4QPMzMwAwMD/AH9/fwAAAAAAAAAAAAAAAAD///8AAAAAACEAAAAYAAAAFAAAAAAAAACECAAAwRkAADAqAAAQAAAAJgAAAAgAAAD//////////w=="/>
               </a:ext>
             </a:extLst>
           </p:cNvPicPr>
           <p:nvPr/>
         </p:nvPicPr>
         <p:blipFill>
-          <a:blip r:embed="rId4"/>
+          <a:blip r:embed="rId2"/>
           <a:stretch>
             <a:fillRect/>
           </a:stretch>
         </p:blipFill>
         <p:spPr>
           <a:xfrm>
-            <a:off x="4128770" y="2134235"/>
-            <a:ext cx="5015230" cy="3505200"/>
+            <a:off x="0" y="1384300"/>
+            <a:ext cx="4186555" cy="5473700"/>
+          </a:xfrm>
+          <a:prstGeom prst="rect">
+            <a:avLst/>
+          </a:prstGeom>
+          <a:noFill/>
+          <a:ln>
+            <a:noFill/>
+          </a:ln>
+          <a:effectLst/>
+        </p:spPr>
+      </p:pic>
+      <p:pic>
+        <p:nvPicPr>
+          <p:cNvPr id="4" name="Image 8"/>
+          <p:cNvPicPr>
+            <a:picLocks noChangeAspect="1"/>
+            <a:extLst>
+              <a:ext uri="smNativeData">
+                <pr:smNativeData xmlns:pr="smNativeData" xmlns="smNativeData" val="SMDATA_17_0rbXYhMAAAAlAAAAEQAAAC0AAAAAkAAAAEgAAACQAAAASAAAAAAAAAAAAAAAAAAAAAEAAABQAAAAAAAAAAAA4D8AAAAAAADgPwAAAAAAAOA/AAAAAAAA4D8AAAAAAADgPwAAAAAAAOA/AAAAAAAA4D8AAAAAAADgPwAAAAAAAOA/AAAAAAAA4D8CAAAAjAAAAAAAAAAAAAAAT4G9DP///wgAAAAAAAAAAAAAAAAAAAAAAAAAAAAAAAAAAAAAZAAAAAEAAABAAAAAAAAAAAAAAAAAAAAAAAAAAAAAAAAAAAAAAAAAAAAAAAAAAAAAAAAAAAAAAAAAAAAAAAAAAAAAAAAAAAAAAAAAAAAAAAAAAAAAAAAAAAAAAAAAAAAAFAAAADwAAAAAAAAAAAAAAAAAAAkUAAAAAQAAABQAAAAUAAAAFAAAAAEAAAAAAAAAZAAAAGQAAAAAAAAAZAAAAGQAAAAVAAAAYAAAAAAAAAAAAAAADwAAACADAAAAAAAAAAAAAAEAAACgMgAAVgcAAKr4//8BAAAAf39/AAEAAABkAAAAAAAAABQAAABAHwAAAAAAACYAAAAAAAAAwOD//wAAAAAmAAAAZAAAABYAAABMAAAAAAAAAAAAAAAEAAAAAAAAAAEAAADu7OEKAAAAACgAAAAoAAAAZAAAAGQAAAAAAAAAzMzMAAAAAABQAAAAUAAAAGQAAABkAAAAAAAAAAcAAAA4AAAAAAAAAAAAAAAAAAAA////AAAAAAAAAAAAAAAAAAAAAAAAAAAAAAAAAAAAAABkAAAAZAAAAAAAAAAjAAAABAAAAGQAAAAXAAAAFAAAAAAAAAAAAAAA/38AAP9/AAAAAAAACQAAAAQAAAAAAAAAHgAAAGgAAAAAAAAAAAAAAAAAAAAAAAAAAAAAABAnAAAQJwAAAAAAAAAAAAAAAAAAAAAAAAAAAAAAAAAAAAAAAAAAAAAUAAAAAAAAAMDA/wAAAAAAZAAAADIAAAAAAAAAZAAAAAAAAAB/f38ACgAAACIAAAAYAAAAAAAAAAAAAAAAAAAAAAAAAAAAAAAAAAAAJAAAACQAAAAAAAAABwAAAAAAAAAAAAAAAAAAAAAAAAAAAAAAAAAAAH9/fwAlAAAAWAAAAAAAAAAAAAAAAAAAAAAAAAAAAAAAAAAAAAAAAAAAAAAAAAAAAAAAAAAAAAAAPwAAAAAAAACghgEAAAAAAAAAAAAAAAAADAAAAAEAAAAAAAAAAAAAAAAAAAAfAAAAVAAAAE+BvQX///8BAAAAAAAAAAAAAAAAAAAAAAAAAAAAAAAAAAAAAAAAAAAAAAACf39/AO7s4QPMzMwAwMD/AH9/fwAAAAAAAAAAAAAAAAD///8AAAAAACEAAAAYAAAAFAAAAMEZAABlDQAAQDgAAOwiAAAQAAAAJgAAAAgAAAD//////////w=="/>
+              </a:ext>
+            </a:extLst>
+          </p:cNvPicPr>
+          <p:nvPr/>
+        </p:nvPicPr>
+        <p:blipFill>
+          <a:blip r:embed="rId3"/>
+          <a:stretch>
+            <a:fillRect/>
+          </a:stretch>
+        </p:blipFill>
+        <p:spPr>
+          <a:xfrm>
+            <a:off x="4186555" y="2177415"/>
+            <a:ext cx="4957445" cy="3499485"/>
           </a:xfrm>
           <a:prstGeom prst="rect">
             <a:avLst/>
@@ -14977,7 +14962,7 @@
             <a:spLocks noGrp="1" noChangeArrowheads="1"/>
             <a:extLst>
               <a:ext uri="smNativeData">
-                <pr:smNativeData xmlns:pr="smNativeData" xmlns="smNativeData" val="SMDATA_15_iunWYhMAAAAlAAAAZAAAAA0AAAAAkAAAAEgAAACQAAAASAAAAAAAAAABAAAAAAAAAAEAAABQAAAAAAAAAAAA4D8AAAAAAADgPwAAAAAAAOA/AAAAAAAA4D8AAAAAAADgPwAAAAAAAOA/AAAAAAAA4D8AAAAAAADgPwAAAAAAAOA/AAAAAAAA4D8CAAAAjAAAAAAAAAAAAAAAT4G9DP///wgAAAAAAAAAAAAAAAAAAAAAAAAAAAAAAAAAAAAAZAAAAAEAAABAAAAAAAAAAAAAAAAAAAAAAAAAAAAAAAAAAAAAAAAAAAAAAAAAAAAAAAAAAAAAAAAAAAAAAAAAAAAAAAAAAAAAAAAAAAAAAAAAAAAAAAAAAAAAAAAAAAAAFAAAADwAAAAAAAAAAAAAAAAAAAkUAAAAAQAAABQAAAAUAAAAFAAAAAEAAAAAAAAAZAAAAGQAAAAAAAAAZAAAAGQAAAAVAAAAYAAAAAAAAAAAAAAADwAAACADAAAAAAAAAAAAAAEAAACgMgAAVgcAAKr4//8BAAAAf39/AAEAAABkAAAAAAAAABQAAABAHwAAAAAAACYAAAAAAAAAwOD//wAAAAAmAAAAZAAAABYAAABMAAAAAAAAAAAAAAAEAAAAAAAAAAEAAADu7OEKAAAAACgAAAAoAAAAZAAAAGQAAAAAAAAAzMzMAAAAAABQAAAAUAAAAGQAAABkAAAAAAAAABcAAAAUAAAAAAAAAAAAAAD/fwAA/38AAAAAAAAJAAAABAAAAAehCPgeAAAAaAAAAAAAAAAAAAAAAAAAAAAAAAAAAAAAECcAABAnAAAAAAAAAAAAAAAAAAAAAAAAAAAAAAAAAAAAAAAAAAAAABQAAAAAAAAAwMD/AAAAAABkAAAAMgAAAAAAAABkAAAAAAAAAH9/fwAKAAAAIgAAABgAAAAAAAAAAAAAAAAAAAAAAAAAAAAAAAAAAAAkAAAAJAAAAAAAAAAHAAAAAAAAAAAAAAAAAAAAAAAAAAAAAAAAAAAAf39/ACUAAABYAAAAAAAAAAAAAAAAAAAAAAAAAAAAAAAAAAAAAAAAAAAAAAAAAAAAAAAAAAAAAAA/AAAAAAAAAKCGAQAAAAAAAAAAAAAAAAAMAAAAAQAAAAAAAAAAAAAAAAAAAB8AAABUAAAAT4G9Bf///wEAAAAAAAAAAAAAAAAAAAAAAAAAAAAAAAAAAAAAAAAAAAAAAAJ/f38A7uzhA8zMzADAwP8Af39/AAAAAAAAAAAAAAAAAAAAAAAAAAAAIQAAABgAAAAUAAAA0AIAADf///9wNQAAPwYAABAAAAAmAAAACAAAAAEgAAAAAAAA"/>
+                <pr:smNativeData xmlns:pr="smNativeData" xmlns="smNativeData" val="SMDATA_15_0rbXYhMAAAAlAAAAZAAAAA0AAAAAkAAAAEgAAACQAAAASAAAAAAAAAABAAAAAAAAAAEAAABQAAAAAAAAAAAA4D8AAAAAAADgPwAAAAAAAOA/AAAAAAAA4D8AAAAAAADgPwAAAAAAAOA/AAAAAAAA4D8AAAAAAADgPwAAAAAAAOA/AAAAAAAA4D8CAAAAjAAAAAAAAAAAAAAAT4G9DP///wgAAAAAAAAAAAAAAAAAAAAAAAAAAAAAAAAAAAAAZAAAAAEAAABAAAAAAAAAAAAAAAAAAAAAAAAAAAAAAAAAAAAAAAAAAAAAAAAAAAAAAAAAAAAAAAAAAAAAAAAAAAAAAAAAAAAAAAAAAAAAAAAAAAAAAAAAAAAAAAAAAAAAFAAAADwAAAAAAAAAAAAAAAAAAAkUAAAAAQAAABQAAAAUAAAAFAAAAAEAAAAAAAAAZAAAAGQAAAAAAAAAZAAAAGQAAAAVAAAAYAAAAAAAAAAAAAAADwAAACADAAAAAAAAAAAAAAEAAACgMgAAVgcAAKr4//8BAAAAf39/AAEAAABkAAAAAAAAABQAAABAHwAAAAAAACYAAAAAAAAAwOD//wAAAAAmAAAAZAAAABYAAABMAAAAAAAAAAAAAAAEAAAAAAAAAAEAAADu7OEKAAAAACgAAAAoAAAAZAAAAGQAAAAAAAAAzMzMAAAAAABQAAAAUAAAAGQAAABkAAAAAAAAABcAAAAUAAAAAAAAAAAAAAD/fwAA/38AAAAAAAAJAAAABAAAAAAHSGAeAAAAaAAAAAAAAAAAAAAAAAAAAAAAAAAAAAAAECcAABAnAAAAAAAAAAAAAAAAAAAAAAAAAAAAAAAAAAAAAAAAAAAAABQAAAAAAAAAwMD/AAAAAABkAAAAMgAAAAAAAABkAAAAAAAAAH9/fwAKAAAAIgAAABgAAAAAAAAAAAAAAAAAAAAAAAAAAAAAAAAAAAAkAAAAJAAAAAAAAAAHAAAAAAAAAAAAAAAAAAAAAAAAAAAAAAAAAAAAf39/ACUAAABYAAAAAAAAAAAAAAAAAAAAAAAAAAAAAAAAAAAAAAAAAAAAAAAAAAAAAAAAAAAAAAA/AAAAAAAAAKCGAQAAAAAAAAAAAAAAAAAMAAAAAQAAAAAAAAAAAAAAAAAAAB8AAABUAAAAT4G9Bf///wEAAAAAAAAAAAAAAAAAAAAAAAAAAAAAAAAAAAAAAAAAAAAAAAJ/f38A7uzhA8zMzADAwP8Af39/AAAAAAAAAAAAAAAAAAAAAAAAAAAAIQAAABgAAAAUAAAA0AIAADf///9wNQAAPwYAABAAAAAmAAAACAAAAAEgAAAAAAAA"/>
               </a:ext>
             </a:extLst>
           </p:cNvSpPr>
@@ -15003,68 +14988,123 @@
               <a:defRPr lang="fr-fr"/>
             </a:pPr>
             <a:r>
-              <a:t>Comparison with Stan</a:t>
+              <a:t>Comparison with Jags</a:t>
             </a:r>
           </a:p>
         </p:txBody>
       </p:sp>
+      <p:grpSp>
+        <p:nvGrpSpPr>
+          <p:cNvPr id="3" name="Grouper 6"/>
+          <p:cNvGrpSpPr>
+            <a:extLst>
+              <a:ext uri="smNativeData">
+                <pr:smNativeData xmlns:pr="smNativeData" xmlns="smNativeData" val="SMDATA_6_0rbXYhMAAAAlAAAAAQAAAA8BAAAAkAAAAEgAAACQAAAASAAAAAAAAAAAAAAAAAAAABcAAAAUAAAAAAAAAAAAAAD/fwAA/38AAAAAAAAJAAAABAAAAAAAAAAfAAAAVAAAAAAAAAAAAAAAAAAAAAAAAAAAAAAAAAAAAAAAAAAAAAAAAAAAAAAAAAAAAAAAAAAAAAAAAAAAAAAAAAAAAAAAAAAAAAAAAAAAAAAAAAAAAAAAAAAAACEAAAAYAAAAFAAAAAAAAABcCAAAZhkAALAnAAAQAAAAJgAAAAgAAAD/////AAAAAA=="/>
+              </a:ext>
+            </a:extLst>
+          </p:cNvGrpSpPr>
+          <p:nvPr/>
+        </p:nvGrpSpPr>
+        <p:grpSpPr>
+          <a:xfrm>
+            <a:off x="0" y="1358900"/>
+            <a:ext cx="4128770" cy="5092700"/>
+            <a:chOff x="0" y="1358900"/>
+            <a:chExt cx="4128770" cy="5092700"/>
+          </a:xfrm>
+        </p:grpSpPr>
+        <p:pic>
+          <p:nvPicPr>
+            <p:cNvPr id="5" name="Image 4"/>
+            <p:cNvPicPr>
+              <a:picLocks noChangeAspect="1"/>
+              <a:extLst>
+                <a:ext uri="smNativeData">
+                  <pr:smNativeData xmlns:pr="smNativeData" xmlns="smNativeData" val="SMDATA_17_0rbXYhMAAAAlAAAAEQAAAC0AAAAAkAAAAEgAAACQAAAASAAAAAAAAAAAAAAAAAAAAAEAAABQAAAAAAAAAAAA4D8AAAAAAADgPwAAAAAAAOA/AAAAAAAA4D8AAAAAAADgPwAAAAAAAOA/AAAAAAAA4D8AAAAAAADgPwAAAAAAAOA/AAAAAAAA4D8CAAAAjAAAAAAAAAAAAAAAT4G9DP///wgAAAAAAAAAAAAAAAAAAAAAAAAAAAAAAAAAAAAAZAAAAAEAAABAAAAAAAAAAAAAAAAAAAAAAAAAAAAAAAAAAAAAAAAAAAAAAAAAAAAAAAAAAAAAAAAAAAAAAAAAAAAAAAAAAAAAAAAAAAAAAAAAAAAAAAAAAAAAAAAAAAAAFAAAADwAAAAAAAAAAAAAAAAAAAkUAAAAAQAAABQAAAAUAAAAFAAAAAEAAAAAAAAAZAAAAGQAAAAAAAAAZAAAAGQAAAAVAAAAYAAAAAAAAAAAAAAADwAAACADAAAAAAAAAAAAAAEAAACgMgAAVgcAAKr4//8BAAAAf39/AAEAAABkAAAAAAAAABQAAABAHwAAAAAAACYAAAAAAAAAwOD//wAAAAAmAAAAZAAAABYAAABMAAAAAAAAAAAAAAAEAAAAAAAAAAEAAADu7OEKAAAAACgAAAAoAAAAZAAAAGQAAAAAAAAAzMzMAAAAAABQAAAAUAAAAGQAAABkAAAAAAAAAAcAAAA4AAAAAAAAAAAAAAAAAAAA////AAAAAAAAAAAAAAAAAAAAAAAAAAAAAAAAAAAAAABkAAAAZAAAAAAAAAAjAAAABAAAAGQAAAAXAAAAFAAAAAAAAAAAAAAA/38AAP9/AAAAAAAACQAAAAQAAAAAAAAAHgAAAGgAAAAAAAAAAAAAAAAAAAAAAAAAAAAAABAnAAAQJwAAAAAAAAAAAAAAAAAAAAAAAAAAAAAAAAAAAAAAAAAAAAAUAAAAAAAAAMDA/wAAAAAAZAAAADIAAAAAAAAAZAAAAAAAAAB/f38ACgAAACIAAAAYAAAAAAAAAAAAAAAAAAAAAAAAAAAAAAAAAAAAJAAAACQAAAAAAAAABwAAAAAAAAAAAAAAAAAAAAAAAAAAAAAAAAAAAH9/fwAlAAAAWAAAAAAAAAAAAAAAAAAAAAAAAAAAAAAAAAAAAAAAAAAAAAAAAAAAAAAAAAAAAAAAPwAAAAAAAACghgEAAAAAAAAAAAAAAAAADAAAAAEAAAAAAAAAAAAAAAAAAAAfAAAAVAAAAE+BvQX///8BAAAAAAAAAAAAAAAAAAAAAAAAAAAAAAAAAAAAAAAAAAAAAAACf39/AO7s4QPMzMwAwMD/AH9/fwAAAAAAAAAAAAAAAAD///8AAAAAACEAAAAYAAAAFAAAAAAAAABcCAAAZhkAAC0ZAAAAAAAAJgAAAAgAAAD//////////w=="/>
+                </a:ext>
+              </a:extLst>
+            </p:cNvPicPr>
+            <p:nvPr/>
+          </p:nvPicPr>
+          <p:blipFill>
+            <a:blip r:embed="rId2"/>
+            <a:stretch>
+              <a:fillRect/>
+            </a:stretch>
+          </p:blipFill>
+          <p:spPr>
+            <a:xfrm>
+              <a:off x="0" y="1358900"/>
+              <a:ext cx="4128770" cy="2733675"/>
+            </a:xfrm>
+            <a:prstGeom prst="rect">
+              <a:avLst/>
+            </a:prstGeom>
+            <a:noFill/>
+            <a:ln>
+              <a:noFill/>
+            </a:ln>
+            <a:effectLst/>
+          </p:spPr>
+        </p:pic>
+        <p:pic>
+          <p:nvPicPr>
+            <p:cNvPr id="4" name="Image 5"/>
+            <p:cNvPicPr>
+              <a:picLocks noChangeAspect="1"/>
+              <a:extLst>
+                <a:ext uri="smNativeData">
+                  <pr:smNativeData xmlns:pr="smNativeData" xmlns="smNativeData" val="SMDATA_17_0rbXYhMAAAAlAAAAEQAAAC0AAAAAkAAAAEgAAACQAAAASAAAAAAAAAAAAAAAAAAAAAEAAABQAAAAAAAAAAAA4D8AAAAAAADgPwAAAAAAAOA/AAAAAAAA4D8AAAAAAADgPwAAAAAAAOA/AAAAAAAA4D8AAAAAAADgPwAAAAAAAOA/AAAAAAAA4D8CAAAAjAAAAAAAAAAAAAAAT4G9DP///wgAAAAAAAAAAAAAAAAAAAAAAAAAAAAAAAAAAAAAZAAAAAEAAABAAAAAAAAAAAAAAAAAAAAAAAAAAAAAAAAAAAAAAAAAAAAAAAAAAAAAAAAAAAAAAAAAAAAAAAAAAAAAAAAAAAAAAAAAAAAAAAAAAAAAAAAAAAAAAAAAAAAAFAAAADwAAAAAAAAAAAAAAAAAAAkUAAAAAQAAABQAAAAUAAAAFAAAAAEAAAAAAAAAZAAAAGQAAAAAAAAAZAAAAGQAAAAVAAAAYAAAAAAAAAAAAAAADwAAACADAAAAAAAAAAAAAAEAAACgMgAAVgcAAKr4//8BAAAAf39/AAEAAABkAAAAAAAAABQAAABAHwAAAAAAACYAAAAAAAAAwOD//wAAAAAmAAAAZAAAABYAAABMAAAAAAAAAAAAAAAEAAAAAAAAAAEAAADu7OEKAAAAACgAAAAoAAAAZAAAAGQAAAAAAAAAzMzMAAAAAABQAAAAUAAAAGQAAABkAAAAAAAAAAcAAAA4AAAAAAAAAAAAAAAAAAAA////AAAAAAAAAAAAAAAAAAAAAAAAAAAAAAAAAAAAAABkAAAAZAAAAAAAAAAjAAAABAAAAGQAAAAXAAAAFAAAAAAAAAAAAAAA/38AAP9/AAAAAAAACQAAAAQAAAAAAQABHgAAAGgAAAAAAAAAAAAAAAAAAAAAAAAAAAAAABAnAAAQJwAAAAAAAAAAAAAAAAAAAAAAAAAAAAAAAAAAAAAAAAAAAAAUAAAAAAAAAMDA/wAAAAAAZAAAADIAAAAAAAAAZAAAAAAAAAB/f38ACgAAACIAAAAYAAAAAAAAAAAAAAAAAAAAAAAAAAAAAAAAAAAAJAAAACQAAAAAAAAABwAAAAAAAAAAAAAAAAAAAAAAAAAAAAAAAAAAAH9/fwAlAAAAWAAAAAAAAAAAAAAAAAAAAAAAAAAAAAAAAAAAAAAAAAAAAAAAAAAAAAAAAAAAAAAAPwAAAAAAAACghgEAAAAAAAAAAAAAAAAADAAAAAEAAAAAAAAAAAAAAAAAAAAfAAAAVAAAAE+BvQX///8BAAAAAAAAAAAAAAAAAAAAAAAAAAAAAAAAAAAAAAAAAAAAAAACf39/AO7s4QPMzMwAwMD/AH9/fwAAAAAAAAAAAAAAAAD///8AAAAAACEAAAAYAAAAFAAAAAAAAAAiFwAAZhkAALAnAAAAAAAAJgAAAAgAAAD//////////w=="/>
+                </a:ext>
+              </a:extLst>
+            </p:cNvPicPr>
+            <p:nvPr/>
+          </p:nvPicPr>
+          <p:blipFill>
+            <a:blip r:embed="rId3"/>
+            <a:stretch>
+              <a:fillRect/>
+            </a:stretch>
+          </p:blipFill>
+          <p:spPr>
+            <a:xfrm>
+              <a:off x="0" y="3760470"/>
+              <a:ext cx="4128770" cy="2691130"/>
+            </a:xfrm>
+            <a:prstGeom prst="rect">
+              <a:avLst/>
+            </a:prstGeom>
+            <a:noFill/>
+            <a:ln>
+              <a:noFill/>
+            </a:ln>
+            <a:effectLst/>
+          </p:spPr>
+        </p:pic>
+      </p:grpSp>
       <p:pic>
         <p:nvPicPr>
-          <p:cNvPr id="3" name="Image 6"/>
+          <p:cNvPr id="6" name="Image 7"/>
           <p:cNvPicPr>
             <a:picLocks noChangeAspect="1"/>
             <a:extLst>
               <a:ext uri="smNativeData">
-                <pr:smNativeData xmlns:pr="smNativeData" xmlns="smNativeData" val="SMDATA_17_iunWYhMAAAAlAAAAEQAAAC0AAAAAkAAAAEgAAACQAAAASAAAAAAAAAAAAAAAAAAAAAEAAABQAAAAAAAAAAAA4D8AAAAAAADgPwAAAAAAAOA/AAAAAAAA4D8AAAAAAADgPwAAAAAAAOA/AAAAAAAA4D8AAAAAAADgPwAAAAAAAOA/AAAAAAAA4D8CAAAAjAAAAAAAAAAAAAAAT4G9DP///wgAAAAAAAAAAAAAAAAAAAAAAAAAAAAAAAAAAAAAZAAAAAEAAABAAAAAAAAAAAAAAAAAAAAAAAAAAAAAAAAAAAAAAAAAAAAAAAAAAAAAAAAAAAAAAAAAAAAAAAAAAAAAAAAAAAAAAAAAAAAAAAAAAAAAAAAAAAAAAAAAAAAAFAAAADwAAAAAAAAAAAAAAAAAAAkUAAAAAQAAABQAAAAUAAAAFAAAAAEAAAAAAAAAZAAAAGQAAAAAAAAAZAAAAGQAAAAVAAAAYAAAAAAAAAAAAAAADwAAACADAAAAAAAAAAAAAAEAAACgMgAAVgcAAKr4//8BAAAAf39/AAEAAABkAAAAAAAAABQAAABAHwAAAAAAACYAAAAAAAAAwOD//wAAAAAmAAAAZAAAABYAAABMAAAAAAAAAAAAAAAEAAAAAAAAAAEAAADu7OEKAAAAACgAAAAoAAAAZAAAAGQAAAAAAAAAzMzMAAAAAABQAAAAUAAAAGQAAABkAAAAAAAAAAcAAAA4AAAAAAAAAAAAAAAAAAAA////AAAAAAAAAAAAAAAAAAAAAAAAAAAAAAAAAAAAAABkAAAAZAAAAAAAAAAjAAAABAAAAGQAAAAXAAAAFAAAAAAAAAAAAAAA/38AAP9/AAAAAAAACQAAAAQAAAAAAAAAHgAAAGgAAAAAAAAAAAAAAAAAAAAAAAAAAAAAABAnAAAQJwAAAAAAAAAAAAAAAAAAAAAAAAAAAAAAAAAAAAAAAAAAAAAUAAAAAAAAAMDA/wAAAAAAZAAAADIAAAAAAAAAZAAAAAAAAAB/f38ACgAAACIAAAAYAAAAAAAAAAAAAAAAAAAAAAAAAAAAAAAAAAAAJAAAACQAAAAAAAAABwAAAAAAAAAAAAAAAAAAAAAAAAAAAAAAAAAAAH9/fwAlAAAAWAAAAAAAAAAAAAAAAAAAAAAAAAAAAAAAAAAAAAAAAAAAAAAAAAAAAAAAAAAAAAAAPwAAAAAAAACghgEAAAAAAAAAAAAAAAAADAAAAAEAAAAAAAAAAAAAAAAAAAAfAAAAVAAAAE+BvQX///8BAAAAAAAAAAAAAAAAAAAAAAAAAAAAAAAAAAAAAAAAAAAAAAACf39/AO7s4QPMzMwAwMD/AH9/fwAAAAAAAAAAAAAAAAD///8AAAAAACEAAAAYAAAAFAAAAAAAAABrBwAAZhkAAIcoAAAQAAAAJgAAAAgAAAD//////////w=="/>
+                <pr:smNativeData xmlns:pr="smNativeData" xmlns="smNativeData" val="SMDATA_17_0rbXYhMAAAAlAAAAEQAAAC0AAAAAkAAAAEgAAACQAAAASAAAAAAAAAAAAAAAAAAAAAEAAABQAAAAAAAAAAAA4D8AAAAAAADgPwAAAAAAAOA/AAAAAAAA4D8AAAAAAADgPwAAAAAAAOA/AAAAAAAA4D8AAAAAAADgPwAAAAAAAOA/AAAAAAAA4D8CAAAAjAAAAAAAAAAAAAAAT4G9DP///wgAAAAAAAAAAAAAAAAAAAAAAAAAAAAAAAAAAAAAZAAAAAEAAABAAAAAAAAAAAAAAAAAAAAAAAAAAAAAAAAAAAAAAAAAAAAAAAAAAAAAAAAAAAAAAAAAAAAAAAAAAAAAAAAAAAAAAAAAAAAAAAAAAAAAAAAAAAAAAAAAAAAAFAAAADwAAAAAAAAAAAAAAAAAAAkUAAAAAQAAABQAAAAUAAAAFAAAAAEAAAAAAAAAZAAAAGQAAAAAAAAAZAAAAGQAAAAVAAAAYAAAAAAAAAAAAAAADwAAACADAAAAAAAAAAAAAAEAAACgMgAAVgcAAKr4//8BAAAAf39/AAEAAABkAAAAAAAAABQAAABAHwAAAAAAACYAAAAAAAAAwOD//wAAAAAmAAAAZAAAABYAAABMAAAAAAAAAAAAAAAEAAAAAAAAAAEAAADu7OEKAAAAACgAAAAoAAAAZAAAAGQAAAAAAAAAzMzMAAAAAABQAAAAUAAAAGQAAABkAAAAAAAAAAcAAAA4AAAAAAAAAAAAAAAAAAAA////AAAAAAAAAAAAAAAAAAAAAAAAAAAAAAAAAAAAAABkAAAAZAAAAAAAAAAjAAAABAAAAGQAAAAXAAAAFAAAAAAAAAAAAAAA/38AAP9/AAAAAAAACQAAAAQAAAAAAAAAHgAAAGgAAAAAAAAAAAAAAAAAAAAAAAAAAAAAABAnAAAQJwAAAAAAAAAAAAAAAAAAAAAAAAAAAAAAAAAAAAAAAAAAAAAUAAAAAAAAAMDA/wAAAAAAZAAAADIAAAAAAAAAZAAAAAAAAAB/f38ACgAAACIAAAAYAAAAAAAAAAAAAAAAAAAAAAAAAAAAAAAAAAAAJAAAACQAAAAAAAAABwAAAAAAAAAAAAAAAAAAAAAAAAAAAAAAAAAAAH9/fwAlAAAAWAAAAAAAAAAAAAAAAAAAAAAAAAAAAAAAAAAAAAAAAAAAAAAAAAAAAAAAAAAAAAAAPwAAAAAAAACghgEAAAAAAAAAAAAAAAAADAAAAAEAAAAAAAAAAAAAAAAAAAAfAAAAVAAAAE+BvQX///8BAAAAAAAAAAAAAAAAAAAAAAAAAAAAAAAAAAAAAAAAAAAAAAACf39/AO7s4QPMzMwAwMD/AH9/fwAAAAAAAAAAAAAAAAD///8AAAAAACEAAAAYAAAAFAAAAGYZAAAhDQAAQDgAALEiAAAQAAAAJgAAAAgAAAD//////////w=="/>
               </a:ext>
             </a:extLst>
           </p:cNvPicPr>
           <p:nvPr/>
         </p:nvPicPr>
         <p:blipFill>
-          <a:blip r:embed="rId2"/>
+          <a:blip r:embed="rId4"/>
           <a:stretch>
             <a:fillRect/>
           </a:stretch>
         </p:blipFill>
         <p:spPr>
           <a:xfrm>
-            <a:off x="0" y="1205865"/>
-            <a:ext cx="4128770" cy="5382260"/>
-          </a:xfrm>
-          <a:prstGeom prst="rect">
-            <a:avLst/>
-          </a:prstGeom>
-          <a:noFill/>
-          <a:ln>
-            <a:noFill/>
-          </a:ln>
-          <a:effectLst/>
-        </p:spPr>
-      </p:pic>
-      <p:pic>
-        <p:nvPicPr>
-          <p:cNvPr id="4" name="Image 8"/>
-          <p:cNvPicPr>
-            <a:picLocks noChangeAspect="1"/>
-            <a:extLst>
-              <a:ext uri="smNativeData">
-                <pr:smNativeData xmlns:pr="smNativeData" xmlns="smNativeData" val="SMDATA_17_iunWYhMAAAAlAAAAEQAAAC0AAAAAkAAAAEgAAACQAAAASAAAAAAAAAAAAAAAAAAAAAEAAABQAAAAAAAAAAAA4D8AAAAAAADgPwAAAAAAAOA/AAAAAAAA4D8AAAAAAADgPwAAAAAAAOA/AAAAAAAA4D8AAAAAAADgPwAAAAAAAOA/AAAAAAAA4D8CAAAAjAAAAAAAAAAAAAAAT4G9DP///wgAAAAAAAAAAAAAAAAAAAAAAAAAAAAAAAAAAAAAZAAAAAEAAABAAAAAAAAAAAAAAAAAAAAAAAAAAAAAAAAAAAAAAAAAAAAAAAAAAAAAAAAAAAAAAAAAAAAAAAAAAAAAAAAAAAAAAAAAAAAAAAAAAAAAAAAAAAAAAAAAAAAAFAAAADwAAAAAAAAAAAAAAAAAAAkUAAAAAQAAABQAAAAUAAAAFAAAAAEAAAAAAAAAZAAAAGQAAAAAAAAAZAAAAGQAAAAVAAAAYAAAAAAAAAAAAAAADwAAACADAAAAAAAAAAAAAAEAAACgMgAAVgcAAKr4//8BAAAAf39/AAEAAABkAAAAAAAAABQAAABAHwAAAAAAACYAAAAAAAAAwOD//wAAAAAmAAAAZAAAABYAAABMAAAAAAAAAAAAAAAEAAAAAAAAAAEAAADu7OEKAAAAACgAAAAoAAAAZAAAAGQAAAAAAAAAzMzMAAAAAABQAAAAUAAAAGQAAABkAAAAAAAAAAcAAAA4AAAAAAAAAAAAAAAAAAAA////AAAAAAAAAAAAAAAAAAAAAAAAAAAAAAAAAAAAAABkAAAAZAAAAAAAAAAjAAAABAAAAGQAAAAXAAAAFAAAAAAAAAAAAAAA/38AAP9/AAAAAAAACQAAAAQAAAAAAAAAHgAAAGgAAAAAAAAAAAAAAAAAAAAAAAAAAAAAABAnAAAQJwAAAAAAAAAAAAAAAAAAAAAAAAAAAAAAAAAAAAAAAAAAAAAUAAAAAAAAAMDA/wAAAAAAZAAAADIAAAAAAAAAZAAAAAAAAAB/f38ACgAAACIAAAAYAAAAAAAAAAAAAAAAAAAAAAAAAAAAAAAAAAAAJAAAACQAAAAAAAAABwAAAAAAAAAAAAAAAAAAAAAAAAAAAAAAAAAAAH9/fwAlAAAAWAAAAAAAAAAAAAAAAAAAAAAAAAAAAAAAAAAAAAAAAAAAAAAAAAAAAAAAAAAAAAAAPwAAAAAAAACghgEAAAAAAAAAAAAAAAAADAAAAAEAAAAAAAAAAAAAAAAAAAAfAAAAVAAAAE+BvQX///8BAAAAAAAAAAAAAAAAAAAAAAAAAAAAAAAAAAAAAAAAAAAAAAACf39/AO7s4QPMzMwAwMD/AH9/fwAAAAAAAAAAAAAAAAD///8AAAAAACEAAAAYAAAAFAAAAGYZAAC8DQAAQDgAAKAjAAAQAAAAJgAAAAgAAAD//////////w=="/>
-              </a:ext>
-            </a:extLst>
-          </p:cNvPicPr>
-          <p:nvPr/>
-        </p:nvPicPr>
-        <p:blipFill>
-          <a:blip r:embed="rId3"/>
-          <a:stretch>
-            <a:fillRect/>
-          </a:stretch>
-        </p:blipFill>
-        <p:spPr>
-          <a:xfrm>
-            <a:off x="4128770" y="2232660"/>
-            <a:ext cx="5015230" cy="3558540"/>
+            <a:off x="4128770" y="2134235"/>
+            <a:ext cx="5015230" cy="3505200"/>
           </a:xfrm>
           <a:prstGeom prst="rect">
             <a:avLst/>
@@ -15108,13 +15148,151 @@
           <a:chExt cx="0" cy="0"/>
         </a:xfrm>
       </p:grpSpPr>
+      <p:sp>
+        <p:nvSpPr>
+          <p:cNvPr id="2" name="Titre 1"/>
+          <p:cNvSpPr>
+            <a:spLocks noGrp="1" noChangeArrowheads="1"/>
+            <a:extLst>
+              <a:ext uri="smNativeData">
+                <pr:smNativeData xmlns:pr="smNativeData" xmlns="smNativeData" val="SMDATA_15_0rbXYhMAAAAlAAAAZAAAAA0AAAAAkAAAAEgAAACQAAAASAAAAAAAAAABAAAAAAAAAAEAAABQAAAAAAAAAAAA4D8AAAAAAADgPwAAAAAAAOA/AAAAAAAA4D8AAAAAAADgPwAAAAAAAOA/AAAAAAAA4D8AAAAAAADgPwAAAAAAAOA/AAAAAAAA4D8CAAAAjAAAAAAAAAAAAAAAT4G9DP///wgAAAAAAAAAAAAAAAAAAAAAAAAAAAAAAAAAAAAAZAAAAAEAAABAAAAAAAAAAAAAAAAAAAAAAAAAAAAAAAAAAAAAAAAAAAAAAAAAAAAAAAAAAAAAAAAAAAAAAAAAAAAAAAAAAAAAAAAAAAAAAAAAAAAAAAAAAAAAAAAAAAAAFAAAADwAAAAAAAAAAAAAAAAAAAkUAAAAAQAAABQAAAAUAAAAFAAAAAEAAAAAAAAAZAAAAGQAAAAAAAAAZAAAAGQAAAAVAAAAYAAAAAAAAAAAAAAADwAAACADAAAAAAAAAAAAAAEAAACgMgAAVgcAAKr4//8BAAAAf39/AAEAAABkAAAAAAAAABQAAABAHwAAAAAAACYAAAAAAAAAwOD//wAAAAAmAAAAZAAAABYAAABMAAAAAAAAAAAAAAAEAAAAAAAAAAEAAADu7OEKAAAAACgAAAAoAAAAZAAAAGQAAAAAAAAAzMzMAAAAAABQAAAAUAAAAGQAAABkAAAAAAAAABcAAAAUAAAAAAAAAAAAAAD/fwAA/38AAAAAAAAJAAAABAAAAAehCPgeAAAAaAAAAAAAAAAAAAAAAAAAAAAAAAAAAAAAECcAABAnAAAAAAAAAAAAAAAAAAAAAAAAAAAAAAAAAAAAAAAAAAAAABQAAAAAAAAAwMD/AAAAAABkAAAAMgAAAAAAAABkAAAAAAAAAH9/fwAKAAAAIgAAABgAAAAAAAAAAAAAAAAAAAAAAAAAAAAAAAAAAAAkAAAAJAAAAAAAAAAHAAAAAAAAAAAAAAAAAAAAAAAAAAAAAAAAAAAAf39/ACUAAABYAAAAAAAAAAAAAAAAAAAAAAAAAAAAAAAAAAAAAAAAAAAAAAAAAAAAAAAAAAAAAAA/AAAAAAAAAKCGAQAAAAAAAAAAAAAAAAAMAAAAAQAAAAAAAAAAAAAAAAAAAB8AAABUAAAAT4G9Bf///wEAAAAAAAAAAAAAAAAAAAAAAAAAAAAAAAAAAAAAAAAAAAAAAAJ/f38A7uzhA8zMzADAwP8Af39/AAAAAAAAAAAAAAAAAAAAAAAAAAAAIQAAABgAAAAUAAAA0AIAADf///9wNQAAPwYAABAAAAAmAAAACAAAAAEgAAAAAAAA"/>
+              </a:ext>
+            </a:extLst>
+          </p:cNvSpPr>
+          <p:nvPr>
+            <p:ph type="title"/>
+          </p:nvPr>
+        </p:nvSpPr>
+        <p:spPr>
+          <a:xfrm>
+            <a:off x="457200" y="-127635"/>
+            <a:ext cx="8229600" cy="1143000"/>
+          </a:xfrm>
+        </p:spPr>
+        <p:txBody>
+          <a:bodyPr vert="horz" wrap="square" lIns="91440" tIns="45720" rIns="91440" bIns="45720" numCol="1" spcCol="215900" anchor="ctr">
+            <a:prstTxWarp prst="textNoShape">
+              <a:avLst/>
+            </a:prstTxWarp>
+          </a:bodyPr>
+          <a:lstStyle/>
+          <a:p>
+            <a:pPr>
+              <a:defRPr lang="fr-fr"/>
+            </a:pPr>
+            <a:r>
+              <a:t>Comparison with Stan</a:t>
+            </a:r>
+          </a:p>
+        </p:txBody>
+      </p:sp>
+      <p:pic>
+        <p:nvPicPr>
+          <p:cNvPr id="3" name="Image 6"/>
+          <p:cNvPicPr>
+            <a:picLocks noChangeAspect="1"/>
+            <a:extLst>
+              <a:ext uri="smNativeData">
+                <pr:smNativeData xmlns:pr="smNativeData" xmlns="smNativeData" val="SMDATA_17_0rbXYhMAAAAlAAAAEQAAAC0AAAAAkAAAAEgAAACQAAAASAAAAAAAAAAAAAAAAAAAAAEAAABQAAAAAAAAAAAA4D8AAAAAAADgPwAAAAAAAOA/AAAAAAAA4D8AAAAAAADgPwAAAAAAAOA/AAAAAAAA4D8AAAAAAADgPwAAAAAAAOA/AAAAAAAA4D8CAAAAjAAAAAAAAAAAAAAAT4G9DP///wgAAAAAAAAAAAAAAAAAAAAAAAAAAAAAAAAAAAAAZAAAAAEAAABAAAAAAAAAAAAAAAAAAAAAAAAAAAAAAAAAAAAAAAAAAAAAAAAAAAAAAAAAAAAAAAAAAAAAAAAAAAAAAAAAAAAAAAAAAAAAAAAAAAAAAAAAAAAAAAAAAAAAFAAAADwAAAAAAAAAAAAAAAAAAAkUAAAAAQAAABQAAAAUAAAAFAAAAAEAAAAAAAAAZAAAAGQAAAAAAAAAZAAAAGQAAAAVAAAAYAAAAAAAAAAAAAAADwAAACADAAAAAAAAAAAAAAEAAACgMgAAVgcAAKr4//8BAAAAf39/AAEAAABkAAAAAAAAABQAAABAHwAAAAAAACYAAAAAAAAAwOD//wAAAAAmAAAAZAAAABYAAABMAAAAAAAAAAAAAAAEAAAAAAAAAAEAAADu7OEKAAAAACgAAAAoAAAAZAAAAGQAAAAAAAAAzMzMAAAAAABQAAAAUAAAAGQAAABkAAAAAAAAAAcAAAA4AAAAAAAAAAAAAAAAAAAA////AAAAAAAAAAAAAAAAAAAAAAAAAAAAAAAAAAAAAABkAAAAZAAAAAAAAAAjAAAABAAAAGQAAAAXAAAAFAAAAAAAAAAAAAAA/38AAP9/AAAAAAAACQAAAAQAAAAAAAAAHgAAAGgAAAAAAAAAAAAAAAAAAAAAAAAAAAAAABAnAAAQJwAAAAAAAAAAAAAAAAAAAAAAAAAAAAAAAAAAAAAAAAAAAAAUAAAAAAAAAMDA/wAAAAAAZAAAADIAAAAAAAAAZAAAAAAAAAB/f38ACgAAACIAAAAYAAAAAAAAAAAAAAAAAAAAAAAAAAAAAAAAAAAAJAAAACQAAAAAAAAABwAAAAAAAAAAAAAAAAAAAAAAAAAAAAAAAAAAAH9/fwAlAAAAWAAAAAAAAAAAAAAAAAAAAAAAAAAAAAAAAAAAAAAAAAAAAAAAAAAAAAAAAAAAAAAAPwAAAAAAAACghgEAAAAAAAAAAAAAAAAADAAAAAEAAAAAAAAAAAAAAAAAAAAfAAAAVAAAAE+BvQX///8BAAAAAAAAAAAAAAAAAAAAAAAAAAAAAAAAAAAAAAAAAAAAAAACf39/AO7s4QPMzMwAwMD/AH9/fwAAAAAAAAAAAAAAAAD///8AAAAAACEAAAAYAAAAFAAAAAAAAABrBwAAZhkAAIcoAAAQAAAAJgAAAAgAAAD//////////w=="/>
+              </a:ext>
+            </a:extLst>
+          </p:cNvPicPr>
+          <p:nvPr/>
+        </p:nvPicPr>
+        <p:blipFill>
+          <a:blip r:embed="rId2"/>
+          <a:stretch>
+            <a:fillRect/>
+          </a:stretch>
+        </p:blipFill>
+        <p:spPr>
+          <a:xfrm>
+            <a:off x="0" y="1205865"/>
+            <a:ext cx="4128770" cy="5382260"/>
+          </a:xfrm>
+          <a:prstGeom prst="rect">
+            <a:avLst/>
+          </a:prstGeom>
+          <a:noFill/>
+          <a:ln>
+            <a:noFill/>
+          </a:ln>
+          <a:effectLst/>
+        </p:spPr>
+      </p:pic>
+      <p:pic>
+        <p:nvPicPr>
+          <p:cNvPr id="4" name="Image 8"/>
+          <p:cNvPicPr>
+            <a:picLocks noChangeAspect="1"/>
+            <a:extLst>
+              <a:ext uri="smNativeData">
+                <pr:smNativeData xmlns:pr="smNativeData" xmlns="smNativeData" val="SMDATA_17_0rbXYhMAAAAlAAAAEQAAAC0AAAAAkAAAAEgAAACQAAAASAAAAAAAAAAAAAAAAAAAAAEAAABQAAAAAAAAAAAA4D8AAAAAAADgPwAAAAAAAOA/AAAAAAAA4D8AAAAAAADgPwAAAAAAAOA/AAAAAAAA4D8AAAAAAADgPwAAAAAAAOA/AAAAAAAA4D8CAAAAjAAAAAAAAAAAAAAAT4G9DP///wgAAAAAAAAAAAAAAAAAAAAAAAAAAAAAAAAAAAAAZAAAAAEAAABAAAAAAAAAAAAAAAAAAAAAAAAAAAAAAAAAAAAAAAAAAAAAAAAAAAAAAAAAAAAAAAAAAAAAAAAAAAAAAAAAAAAAAAAAAAAAAAAAAAAAAAAAAAAAAAAAAAAAFAAAADwAAAAAAAAAAAAAAAAAAAkUAAAAAQAAABQAAAAUAAAAFAAAAAEAAAAAAAAAZAAAAGQAAAAAAAAAZAAAAGQAAAAVAAAAYAAAAAAAAAAAAAAADwAAACADAAAAAAAAAAAAAAEAAACgMgAAVgcAAKr4//8BAAAAf39/AAEAAABkAAAAAAAAABQAAABAHwAAAAAAACYAAAAAAAAAwOD//wAAAAAmAAAAZAAAABYAAABMAAAAAAAAAAAAAAAEAAAAAAAAAAEAAADu7OEKAAAAACgAAAAoAAAAZAAAAGQAAAAAAAAAzMzMAAAAAABQAAAAUAAAAGQAAABkAAAAAAAAAAcAAAA4AAAAAAAAAAAAAAAAAAAA////AAAAAAAAAAAAAAAAAAAAAAAAAAAAAAAAAAAAAABkAAAAZAAAAAAAAAAjAAAABAAAAGQAAAAXAAAAFAAAAAAAAAAAAAAA/38AAP9/AAAAAAAACQAAAAQAAAAAAAAAHgAAAGgAAAAAAAAAAAAAAAAAAAAAAAAAAAAAABAnAAAQJwAAAAAAAAAAAAAAAAAAAAAAAAAAAAAAAAAAAAAAAAAAAAAUAAAAAAAAAMDA/wAAAAAAZAAAADIAAAAAAAAAZAAAAAAAAAB/f38ACgAAACIAAAAYAAAAAAAAAAAAAAAAAAAAAAAAAAAAAAAAAAAAJAAAACQAAAAAAAAABwAAAAAAAAAAAAAAAAAAAAAAAAAAAAAAAAAAAH9/fwAlAAAAWAAAAAAAAAAAAAAAAAAAAAAAAAAAAAAAAAAAAAAAAAAAAAAAAAAAAAAAAAAAAAAAPwAAAAAAAACghgEAAAAAAAAAAAAAAAAADAAAAAEAAAAAAAAAAAAAAAAAAAAfAAAAVAAAAE+BvQX///8BAAAAAAAAAAAAAAAAAAAAAAAAAAAAAAAAAAAAAAAAAAAAAAACf39/AO7s4QPMzMwAwMD/AH9/fwAAAAAAAAAAAAAAAAD///8AAAAAACEAAAAYAAAAFAAAAGYZAAC8DQAAQDgAAKAjAAAQAAAAJgAAAAgAAAD//////////w=="/>
+              </a:ext>
+            </a:extLst>
+          </p:cNvPicPr>
+          <p:nvPr/>
+        </p:nvPicPr>
+        <p:blipFill>
+          <a:blip r:embed="rId3"/>
+          <a:stretch>
+            <a:fillRect/>
+          </a:stretch>
+        </p:blipFill>
+        <p:spPr>
+          <a:xfrm>
+            <a:off x="4128770" y="2232660"/>
+            <a:ext cx="5015230" cy="3558540"/>
+          </a:xfrm>
+          <a:prstGeom prst="rect">
+            <a:avLst/>
+          </a:prstGeom>
+          <a:noFill/>
+          <a:ln>
+            <a:noFill/>
+          </a:ln>
+          <a:effectLst/>
+        </p:spPr>
+      </p:pic>
+    </p:spTree>
+  </p:cSld>
+  <p:clrMapOvr>
+    <a:masterClrMapping/>
+  </p:clrMapOvr>
+  <p:timing>
+    <p:tnLst>
+      <p:par>
+        <p:cTn id="1" dur="indefinite" restart="never" nodeType="tmRoot"/>
+      </p:par>
+    </p:tnLst>
+  </p:timing>
+</p:sld>
+</file>
+
+<file path=ppt/slides/slide46.xml><?xml version="1.0" encoding="utf-8"?>
+<p:sld xmlns:p="http://schemas.openxmlformats.org/presentationml/2006/main" xmlns:mc="http://schemas.openxmlformats.org/markup-compatibility/2006" xmlns:p14="http://schemas.microsoft.com/office/powerpoint/2010/main" xmlns:p15="http://schemas.microsoft.com/office/powerpoint/2012/main" xmlns:r="http://schemas.openxmlformats.org/officeDocument/2006/relationships" xmlns:a="http://schemas.openxmlformats.org/drawingml/2006/main" mc:Ignorable="p14" show="0">
+  <p:cSld>
+    <p:spTree>
+      <p:nvGrpSpPr>
+        <p:cNvPr id="1" name=""/>
+        <p:cNvGrpSpPr/>
+        <p:nvPr/>
+      </p:nvGrpSpPr>
+      <p:grpSpPr>
+        <a:xfrm>
+          <a:off x="0" y="0"/>
+          <a:ext cx="0" cy="0"/>
+          <a:chOff x="0" y="0"/>
+          <a:chExt cx="0" cy="0"/>
+        </a:xfrm>
+      </p:grpSpPr>
       <p:grpSp>
         <p:nvGrpSpPr>
           <p:cNvPr id="2" name="Grouper 16"/>
           <p:cNvGrpSpPr>
             <a:extLst>
               <a:ext uri="smNativeData">
-                <pr:smNativeData xmlns:pr="smNativeData" xmlns="smNativeData" val="SMDATA_6_iunWYhMAAAAlAAAAAQAAAA8BAAAAkAAAAEgAAACQAAAASAAAAAAAAAAAAAAAAAAAABcAAAAUAAAAAAAAAAAAAAD/fwAA/38AAAAAAAAJAAAABAAAAJcCAAAfAAAAVAAAAAAAAAAAAAAAAAAAAAAAAAAAAAAAAAAAAAAAAAAAAAAAAAAAAAAAAAAAAAAAAAAAAAAAAAAAAAAAAAAAAAAAAAAAAAAAAAAAAAAAAAAAAAAAAAAAACEAAAAYAAAAFAAAAAAAAAAQDgAAAhYAACcdAAAQAAAAJgAAAAgAAAD/////AAAAAA=="/>
+                <pr:smNativeData xmlns:pr="smNativeData" xmlns="smNativeData" val="SMDATA_6_0rbXYhMAAAAlAAAAAQAAAA8BAAAAkAAAAEgAAACQAAAASAAAAAAAAAAAAAAAAAAAABcAAAAUAAAAAAAAAAAAAAD/fwAA/38AAAAAAAAJAAAABAAAAJcCAAAfAAAAVAAAAAAAAAAAAAAAAAAAAAAAAAAAAAAAAAAAAAAAAAAAAAAAAAAAAAAAAAAAAAAAAAAAAAAAAAAAAAAAAAAAAAAAAAAAAAAAAAAAAAAAAAAAAAAAAAAAACEAAAAYAAAAFAAAAAAAAAAQDgAAAhYAACcdAAAQAAAAJgAAAAgAAAD/////AAAAAA=="/>
               </a:ext>
             </a:extLst>
           </p:cNvGrpSpPr>
@@ -15135,7 +15313,7 @@
               <a:picLocks noChangeAspect="1"/>
               <a:extLst>
                 <a:ext uri="smNativeData">
-                  <pr:smNativeData xmlns:pr="smNativeData" xmlns="smNativeData" val="SMDATA_17_iunWYhMAAAAlAAAAEQAAAC0AAAAAkAAAAEgAAACQAAAASAAAAAAAAAAAAAAAAAAAAAEAAABQAAAAAAAAAAAA4D8AAAAAAADgPwAAAAAAAOA/AAAAAAAA4D8AAAAAAADgPwAAAAAAAOA/AAAAAAAA4D8AAAAAAADgPwAAAAAAAOA/AAAAAAAA4D8CAAAAjAAAAAAAAAAAAAAAT4G9DP///wgAAAAAAAAAAAAAAAAAAAAAAAAAAAAAAAAAAAAAZAAAAAEAAABAAAAAAAAAAAAAAAAAAAAAAAAAAAAAAAAAAAAAAAAAAAAAAAAAAAAAAAAAAAAAAAAAAAAAAAAAAAAAAAAAAAAAAAAAAAAAAAAAAAAAAAAAAAAAAAAAAAAAFAAAADwAAAAAAAAAAAAAAAAAAAkUAAAAAQAAABQAAAAUAAAAFAAAAAEAAAAAAAAAZAAAAGQAAAAAAAAAZAAAAGQAAAAVAAAAYAAAAAAAAAAAAAAADwAAACADAAAAAAAAAAAAAAEAAACgMgAAVgcAAKr4//8BAAAAf39/AAEAAABkAAAAAAAAABQAAABAHwAAAAAAACYAAAAAAAAAwOD//wAAAAAmAAAAZAAAABYAAABMAAAAAAAAAAAAAAAEAAAAAAAAAAEAAADu7OEKAAAAACgAAAAoAAAAZAAAAGQAAAAAAAAAzMzMAAAAAABQAAAAUAAAAGQAAABkAAAAAAAAAAcAAAA4AAAAAAAAAAAAAAAAAAAA////AAAAAAAAAAAAAAAAAAAAAAAAAAAAAAAAAAAAAABkAAAAZAAAAAAAAAAjAAAABAAAAGQAAAAXAAAAFAAAAAAAAAAAAAAA/38AAP9/AAAAAAAACQAAAAQAAAAAAAAAHgAAAGgAAAAAAAAAAAAAAAAAAAAAAAAAAAAAABAnAAAQJwAAAAAAAAAAAAAAAAAAAAAAAAAAAAAAAAAAAAAAAAAAAAAUAAAAAAAAAMDA/wAAAAAAZAAAADIAAAAAAAAAZAAAAAAAAAB/f38ACgAAACIAAAAYAAAAAAAAAAAAAAAAAAAAAAAAAAAAAAAAAAAAJAAAACQAAAAAAAAABwAAAAAAAAAAAAAAAAAAAAAAAAAAAAAAAAAAAH9/fwAlAAAAWAAAAAAAAAAAAAAAAAAAAAAAAAAAAAAAAAAAAAAAAAAAAAAAAAAAAAAAAAAAAAAAPwAAAAAAAACghgEAAAAAAAAAAAAAAAAADAAAAAEAAAAAAAAAAAAAAAAAAAAfAAAAVAAAAE+BvQX///8BAAAAAAAAAAAAAAAAAAAAAAAAAAAAAAAAAAAAAAAAAAAAAAACf39/AO7s4QPMzMwAwMD/AH9/fwAAAAAAAAAAAAAAAAD///8AAAAAACEAAAAYAAAAFAAAAAAAAAAQDgAAAhYAACcdAAAAAAAAJgAAAAgAAAD//////////w=="/>
+                  <pr:smNativeData xmlns:pr="smNativeData" xmlns="smNativeData" val="SMDATA_17_0rbXYhMAAAAlAAAAEQAAAC0AAAAAkAAAAEgAAACQAAAASAAAAAAAAAAAAAAAAAAAAAEAAABQAAAAAAAAAAAA4D8AAAAAAADgPwAAAAAAAOA/AAAAAAAA4D8AAAAAAADgPwAAAAAAAOA/AAAAAAAA4D8AAAAAAADgPwAAAAAAAOA/AAAAAAAA4D8CAAAAjAAAAAAAAAAAAAAAT4G9DP///wgAAAAAAAAAAAAAAAAAAAAAAAAAAAAAAAAAAAAAZAAAAAEAAABAAAAAAAAAAAAAAAAAAAAAAAAAAAAAAAAAAAAAAAAAAAAAAAAAAAAAAAAAAAAAAAAAAAAAAAAAAAAAAAAAAAAAAAAAAAAAAAAAAAAAAAAAAAAAAAAAAAAAFAAAADwAAAAAAAAAAAAAAAAAAAkUAAAAAQAAABQAAAAUAAAAFAAAAAEAAAAAAAAAZAAAAGQAAAAAAAAAZAAAAGQAAAAVAAAAYAAAAAAAAAAAAAAADwAAACADAAAAAAAAAAAAAAEAAACgMgAAVgcAAKr4//8BAAAAf39/AAEAAABkAAAAAAAAABQAAABAHwAAAAAAACYAAAAAAAAAwOD//wAAAAAmAAAAZAAAABYAAABMAAAAAAAAAAAAAAAEAAAAAAAAAAEAAADu7OEKAAAAACgAAAAoAAAAZAAAAGQAAAAAAAAAzMzMAAAAAABQAAAAUAAAAGQAAABkAAAAAAAAAAcAAAA4AAAAAAAAAAAAAAAAAAAA////AAAAAAAAAAAAAAAAAAAAAAAAAAAAAAAAAAAAAABkAAAAZAAAAAAAAAAjAAAABAAAAGQAAAAXAAAAFAAAAAAAAAAAAAAA/38AAP9/AAAAAAAACQAAAAQAAAAAAAAAHgAAAGgAAAAAAAAAAAAAAAAAAAAAAAAAAAAAABAnAAAQJwAAAAAAAAAAAAAAAAAAAAAAAAAAAAAAAAAAAAAAAAAAAAAUAAAAAAAAAMDA/wAAAAAAZAAAADIAAAAAAAAAZAAAAAAAAAB/f38ACgAAACIAAAAYAAAAAAAAAAAAAAAAAAAAAAAAAAAAAAAAAAAAJAAAACQAAAAAAAAABwAAAAAAAAAAAAAAAAAAAAAAAAAAAAAAAAAAAH9/fwAlAAAAWAAAAAAAAAAAAAAAAAAAAAAAAAAAAAAAAAAAAAAAAAAAAAAAAAAAAAAAAAAAAAAAPwAAAAAAAACghgEAAAAAAAAAAAAAAAAADAAAAAEAAAAAAAAAAAAAAAAAAAAfAAAAVAAAAE+BvQX///8BAAAAAAAAAAAAAAAAAAAAAAAAAAAAAAAAAAAAAAAAAAAAAAACf39/AO7s4QPMzMwAwMD/AH9/fwAAAAAAAAAAAAAAAAD///8AAAAAACEAAAAYAAAAFAAAAAAAAAAQDgAAAhYAACcdAAAAAAAAJgAAAAgAAAD//////////w=="/>
                 </a:ext>
               </a:extLst>
             </p:cNvPicPr>
@@ -15168,7 +15346,7 @@
             <p:cNvSpPr>
               <a:extLst>
                 <a:ext uri="smNativeData">
-                  <pr:smNativeData xmlns:pr="smNativeData" xmlns="smNativeData" val="SMDATA_15_iunWYhMAAAAlAAAAZAAAAE0AAAAAkAAAAEgAAACQAAAASAAAAAAAAAAAAAAAAAAAAAEAAABQAAAAAAAAAAAA4D8AAAAAAADgPwAAAAAAAOA/AAAAAAAA4D8AAAAAAADgPwAAAAAAAOA/AAAAAAAA4D8AAAAAAADgPwAAAAAAAOA/AAAAAAAA4D8CAAAAjAAAAAAAAAAAAAAAT4G9DP///wgAAAAAAAAAAAAAAAAAAAAAAAAAAAAAAAAAAAAAZAAAAAEAAABAAAAAAAAAAAAAAAAAAAAAAAAAAAAAAAAAAAAAAAAAAAAAAAAAAAAAAAAAAAAAAAAAAAAAAAAAAAAAAAAAAAAAAAAAAAAAAAAAAAAAAAAAAAAAAAAAAAAAFAAAADwAAAAAAAAAAAAAAAAAAAAPAAAAAQAAACMAAAAjAAAAIwAAAB4AAAAAAAAAZAAAAGQAAAAAAAAAZAAAAGQAAAAVAAAAYAAAAAAAAAAAAAAADwAAACADAAAAAAAAAAAAAAEAAACgMgAAVgcAAKr4//8BAAAAf39/AAEAAABkAAAAAAAAABQAAABAHwAAAAAAACYAAAAAAAAAwOD//wAAAAAmAAAAZAAAABYAAABMAAAAAAAAAAAAAAAEAAAAAAAAAAEAAADu7OEKAAAAACgAAAAoAAAAZAAAAGQAAAAAAAAAzMzMAAAAAABQAAAAUAAAAGQAAABkAAAAAAAAABcAAAAUAAAAAAAAAAAAAAD/fwAA/38AAAAAAAAJAAAABAAAAAAAAAAeAAAAaAAAAAAAAAAAAAAAAAAAAAAAAAAAAAAAECcAABAnAAAAAAAAAAAAAAAAAAAAAAAAAAAAAAAAAAAAAAAAAAAAABQAAAAAAAAAwMD/AAAAAABkAAAAMgAAAAAAAABkAAAAAAAAAH9/fwAKAAAAIgAAABgAAAAAAAAAAAAAAAAAAAAAAAAAAAAAAAAAAAAkAAAAJAAAAAAAAAAHAAAAAAAAAAAAAAAAAAAAAAAAAAAAAAAAAAAAf39/ACUAAABYAAAAAAAAAAAAAAAAAAAAAAAAAAAAAAAAAAAAAAAAAAAAAAAAAAAAAAAAAAAAAAA/AAAAAAAAAKCGAQAAAAAAAAAAAAAAAAAMAAAAAQAAAAAAAAAAAAAAAAAAAB8AAABUAAAAT4G9Bf///wEAAAAAAAAAAAAAAAAAAAAAAAAAAAAAAAAAAAAAAAAAAAAAAAB/f38A7uzhA8zMzADAwP8Af39/AAAAAAAAAAAAAAAAAAAAAAAAAAAAIQAAABgAAAAUAAAAhwYAAFwXAADOFQAAohkAAAAgAAAmAAAACAAAAP//////////"/>
+                  <pr:smNativeData xmlns:pr="smNativeData" xmlns="smNativeData" val="SMDATA_15_0rbXYhMAAAAlAAAAZAAAAE0AAAAAkAAAAEgAAACQAAAASAAAAAAAAAAAAAAAAAAAAAEAAABQAAAAAAAAAAAA4D8AAAAAAADgPwAAAAAAAOA/AAAAAAAA4D8AAAAAAADgPwAAAAAAAOA/AAAAAAAA4D8AAAAAAADgPwAAAAAAAOA/AAAAAAAA4D8CAAAAjAAAAAAAAAAAAAAAT4G9DP///wgAAAAAAAAAAAAAAAAAAAAAAAAAAAAAAAAAAAAAZAAAAAEAAABAAAAAAAAAAAAAAAAAAAAAAAAAAAAAAAAAAAAAAAAAAAAAAAAAAAAAAAAAAAAAAAAAAAAAAAAAAAAAAAAAAAAAAAAAAAAAAAAAAAAAAAAAAAAAAAAAAAAAFAAAADwAAAAAAAAAAAAAAAAAAAAPAAAAAQAAACMAAAAjAAAAIwAAAB4AAAAAAAAAZAAAAGQAAAAAAAAAZAAAAGQAAAAVAAAAYAAAAAAAAAAAAAAADwAAACADAAAAAAAAAAAAAAEAAACgMgAAVgcAAKr4//8BAAAAf39/AAEAAABkAAAAAAAAABQAAABAHwAAAAAAACYAAAAAAAAAwOD//wAAAAAmAAAAZAAAABYAAABMAAAAAAAAAAAAAAAEAAAAAAAAAAEAAADu7OEKAAAAACgAAAAoAAAAZAAAAGQAAAAAAAAAzMzMAAAAAABQAAAAUAAAAGQAAABkAAAAAAAAABcAAAAUAAAAAAAAAAAAAAD/fwAA/38AAAAAAAAJAAAABAAAAAAAAAAeAAAAaAAAAAAAAAAAAAAAAAAAAAAAAAAAAAAAECcAABAnAAAAAAAAAAAAAAAAAAAAAAAAAAAAAAAAAAAAAAAAAAAAABQAAAAAAAAAwMD/AAAAAABkAAAAMgAAAAAAAABkAAAAAAAAAH9/fwAKAAAAIgAAABgAAAAAAAAAAAAAAAAAAAAAAAAAAAAAAAAAAAAkAAAAJAAAAAAAAAAHAAAAAAAAAAAAAAAAAAAAAAAAAAAAAAAAAAAAf39/ACUAAABYAAAAAAAAAAAAAAAAAAAAAAAAAAAAAAAAAAAAAAAAAAAAAAAAAAAAAAAAAAAAAAA/AAAAAAAAAKCGAQAAAAAAAAAAAAAAAAAMAAAAAQAAAAAAAAAAAAAAAAAAAB8AAABUAAAAT4G9Bf///wEAAAAAAAAAAAAAAAAAAAAAAAAAAAAAAAAAAAAAAAAAAAAAAAB/f38A7uzhA8zMzADAwP8Af39/AAAAAAAAAAAAAAAAAAAAAAAAAAAAIQAAABgAAAAUAAAAhwYAAFwXAADOFQAAohkAAAAgAAAmAAAACAAAAP//////////"/>
                 </a:ext>
               </a:extLst>
             </p:cNvSpPr>
@@ -15208,7 +15386,7 @@
           <p:cNvGrpSpPr>
             <a:extLst>
               <a:ext uri="smNativeData">
-                <pr:smNativeData xmlns:pr="smNativeData" xmlns="smNativeData" val="SMDATA_6_iunWYhMAAAAlAAAAAQAAAA8BAAAAkAAAAEgAAACQAAAASAAAAAAAAAAAAAAAAAAAABcAAAAUAAAAAAAAAAAAAAD/fwAA/38AAAAAAAAJAAAABAAAAAAAAAAfAAAAVAAAAAAAAAAAAAAAAAAAAAAAAAAAAAAAAAAAAAAAAAAAAAAAAAAAAAAAAAAAAAAAAAAAAAAAAAAAAAAAAAAAAAAAAAAAAAAAAAAAAAAAAAAAAAAAAAAAACEAAAAYAAAAFAAAAPwcAABIDgAA/jIAAKMcAAAQAAAAJgAAAAgAAAD/////AAAAAA=="/>
+                <pr:smNativeData xmlns:pr="smNativeData" xmlns="smNativeData" val="SMDATA_6_0rbXYhMAAAAlAAAAAQAAAA8BAAAAkAAAAEgAAACQAAAASAAAAAAAAAAAAAAAAAAAABcAAAAUAAAAAAAAAAAAAAD/fwAA/38AAAAAAAAJAAAABAAAAAAAAAAfAAAAVAAAAAAAAAAAAAAAAAAAAAAAAAAAAAAAAAAAAAAAAAAAAAAAAAAAAAAAAAAAAAAAAAAAAAAAAAAAAAAAAAAAAAAAAAAAAAAAAAAAAAAAAAAAAAAAAAAAACEAAAAYAAAAFAAAAPwcAABIDgAA/jIAAKMcAAAQAAAAJgAAAAgAAAD/////AAAAAA=="/>
               </a:ext>
             </a:extLst>
           </p:cNvGrpSpPr>
@@ -15229,7 +15407,7 @@
               <a:picLocks noChangeAspect="1"/>
               <a:extLst>
                 <a:ext uri="smNativeData">
-                  <pr:smNativeData xmlns:pr="smNativeData" xmlns="smNativeData" val="SMDATA_17_iunWYhMAAAAlAAAAEQAAAC0AAAAAkAAAAEgAAACQAAAASAAAAAAAAAAAAAAAAAAAAAEAAABQAAAAAAAAAAAA4D8AAAAAAADgPwAAAAAAAOA/AAAAAAAA4D8AAAAAAADgPwAAAAAAAOA/AAAAAAAA4D8AAAAAAADgPwAAAAAAAOA/AAAAAAAA4D8CAAAAjAAAAAAAAAAAAAAAT4G9DP///wgAAAAAAAAAAAAAAAAAAAAAAAAAAAAAAAAAAAAAZAAAAAEAAABAAAAAAAAAAAAAAAAAAAAAAAAAAAAAAAAAAAAAAAAAAAAAAAAAAAAAAAAAAAAAAAAAAAAAAAAAAAAAAAAAAAAAAAAAAAAAAAAAAAAAAAAAAAAAAAAAAAAAFAAAADwAAAAAAAAAAAAAAAAAAAkUAAAAAQAAABQAAAAUAAAAFAAAAAEAAAAAAAAAZAAAAGQAAAAAAAAAZAAAAGQAAAAVAAAAYAAAAAAAAAAAAAAADwAAACADAAAAAAAAAAAAAAEAAACgMgAAVgcAAKr4//8BAAAAf39/AAEAAABkAAAAAAAAABQAAABAHwAAAAAAACYAAAAAAAAAwOD//wAAAAAmAAAAZAAAABYAAABMAAAAAAAAAAAAAAAEAAAAAAAAAAEAAADu7OEKAAAAACgAAAAoAAAAZAAAAGQAAAAAAAAAzMzMAAAAAABQAAAAUAAAAGQAAABkAAAAAAAAAAcAAAA4AAAAAAAAAAAAAAAAAAAA////AAAAAAAAAAAAAAAAAAAAAAAAAAAAZRMAAAAAAABkAAAAZAAAAAAAAAAjAAAABAAAAGQAAAAXAAAAFAAAAAAAAAAAAAAA/38AAP9/AAAAAAAACQAAAAQAAAAAAAAAHgAAAGgAAAAAAAAAAAAAAAAAAAAAAAAAAAAAABAnAAAQJwAAAAAAAAAAAAAAAAAAAAAAAAAAAAAAAAAAAAAAAAAAAAAUAAAAAAAAAMDA/wAAAAAAZAAAADIAAAAAAAAAZAAAAAAAAAB/f38ACgAAACIAAAAYAAAAAAAAAAAAAAAAAAAAAAAAAAAAAAAAAAAAJAAAACQAAAAAAAAABwAAAAAAAAAAAAAAAAAAAAAAAAAAAAAAAAAAAH9/fwAlAAAAWAAAAAAAAAAAAAAAAAAAAAAAAAAAAAAAAAAAAAAAAAAAAAAAAAAAAAAAAAAAAAAAPwAAAAAAAACghgEAAAAAAAAAAAAAAAAADAAAAAEAAAAAAAAAAAAAAAAAAAAfAAAAVAAAAE+BvQX///8BAAAAAAAAAAAAAAAAAAAAAAAAAAAAAAAAAAAAAAAAAAAAAAACf39/AO7s4QPMzMwAwMD/AH9/fwAAAAAAAAAAAAAAAAD///8AAAAAACEAAAAYAAAAFAAAAPwcAABIDgAAyjIAAKMcAAAAAAAAJgAAAAgAAAD//////////w=="/>
+                  <pr:smNativeData xmlns:pr="smNativeData" xmlns="smNativeData" val="SMDATA_17_0rbXYhMAAAAlAAAAEQAAAC0AAAAAkAAAAEgAAACQAAAASAAAAAAAAAAAAAAAAAAAAAEAAABQAAAAAAAAAAAA4D8AAAAAAADgPwAAAAAAAOA/AAAAAAAA4D8AAAAAAADgPwAAAAAAAOA/AAAAAAAA4D8AAAAAAADgPwAAAAAAAOA/AAAAAAAA4D8CAAAAjAAAAAAAAAAAAAAAT4G9DP///wgAAAAAAAAAAAAAAAAAAAAAAAAAAAAAAAAAAAAAZAAAAAEAAABAAAAAAAAAAAAAAAAAAAAAAAAAAAAAAAAAAAAAAAAAAAAAAAAAAAAAAAAAAAAAAAAAAAAAAAAAAAAAAAAAAAAAAAAAAAAAAAAAAAAAAAAAAAAAAAAAAAAAFAAAADwAAAAAAAAAAAAAAAAAAAkUAAAAAQAAABQAAAAUAAAAFAAAAAEAAAAAAAAAZAAAAGQAAAAAAAAAZAAAAGQAAAAVAAAAYAAAAAAAAAAAAAAADwAAACADAAAAAAAAAAAAAAEAAACgMgAAVgcAAKr4//8BAAAAf39/AAEAAABkAAAAAAAAABQAAABAHwAAAAAAACYAAAAAAAAAwOD//wAAAAAmAAAAZAAAABYAAABMAAAAAAAAAAAAAAAEAAAAAAAAAAEAAADu7OEKAAAAACgAAAAoAAAAZAAAAGQAAAAAAAAAzMzMAAAAAABQAAAAUAAAAGQAAABkAAAAAAAAAAcAAAA4AAAAAAAAAAAAAAAAAAAA////AAAAAAAAAAAAAAAAAAAAAAAAAAAAZRMAAAAAAABkAAAAZAAAAAAAAAAjAAAABAAAAGQAAAAXAAAAFAAAAAAAAAAAAAAA/38AAP9/AAAAAAAACQAAAAQAAAAAAAAAHgAAAGgAAAAAAAAAAAAAAAAAAAAAAAAAAAAAABAnAAAQJwAAAAAAAAAAAAAAAAAAAAAAAAAAAAAAAAAAAAAAAAAAAAAUAAAAAAAAAMDA/wAAAAAAZAAAADIAAAAAAAAAZAAAAAAAAAB/f38ACgAAACIAAAAYAAAAAAAAAAAAAAAAAAAAAAAAAAAAAAAAAAAAJAAAACQAAAAAAAAABwAAAAAAAAAAAAAAAAAAAAAAAAAAAAAAAAAAAH9/fwAlAAAAWAAAAAAAAAAAAAAAAAAAAAAAAAAAAAAAAAAAAAAAAAAAAAAAAAAAAAAAAAAAAAAAPwAAAAAAAACghgEAAAAAAAAAAAAAAAAADAAAAAEAAAAAAAAAAAAAAAAAAAAfAAAAVAAAAE+BvQX///8BAAAAAAAAAAAAAAAAAAAAAAAAAAAAAAAAAAAAAAAAAAAAAAACf39/AO7s4QPMzMwAwMD/AH9/fwAAAAAAAAAAAAAAAAD///8AAAAAACEAAAAYAAAAFAAAAPwcAABIDgAAyjIAAKMcAAAAAAAAJgAAAAgAAAD//////////w=="/>
                 </a:ext>
               </a:extLst>
             </p:cNvPicPr>
@@ -15263,7 +15441,7 @@
             <p:cNvSpPr>
               <a:extLst>
                 <a:ext uri="smNativeData">
-                  <pr:smNativeData xmlns:pr="smNativeData" xmlns="smNativeData" val="SMDATA_15_iunWYhMAAAAlAAAAZAAAAE0AAAAAkAAAAEgAAACQAAAASAAAAAAAAAAAAAAAAAAAAAEAAABQAAAAAAAAAAAA4D8AAAAAAADgPwAAAAAAAOA/AAAAAAAA4D8AAAAAAADgPwAAAAAAAOA/AAAAAAAA4D8AAAAAAADgPwAAAAAAAOA/AAAAAAAA4D8CAAAAjAAAAAAAAAAAAAAAT4G9DP///wgAAAAAAAAAAAAAAAAAAAAAAAAAAAAAAAAAAAAAZAAAAAEAAABAAAAAAAAAAAAAAAAAAAAAAAAAAAAAAAAAAAAAAAAAAAAAAAAAAAAAAAAAAAAAAAAAAAAAAAAAAAAAAAAAAAAAAAAAAAAAAAAAAAAAAAAAAAAAAAAAAAAAFAAAADwAAAAAAAAAAAAAAAAAAAAPAAAAAQAAACMAAAAjAAAAIwAAAB4AAAAAAAAAZAAAAGQAAAAAAAAAZAAAAGQAAAAVAAAAYAAAAAAAAAAAAAAADwAAACADAAAAAAAAAAAAAAEAAACgMgAAVgcAAKr4//8BAAAAf39/AAEAAABkAAAAAAAAABQAAABAHwAAAAAAACYAAAAAAAAAwOD//wAAAAAmAAAAZAAAABYAAABMAAAAAAAAAAAAAAAEAAAAAAAAAAEAAADu7OEKAAAAACgAAAAoAAAAZAAAAGQAAAAAAAAAzMzMAAAAAABQAAAAUAAAAGQAAABkAAAAAAAAABcAAAAUAAAAAAAAAAAAAAD/fwAA/38AAAAAAAAJAAAABAAAAPRFNd0eAAAAaAAAAAAAAAAAAAAAAAAAAAAAAAAAAAAAECcAABAnAAAAAAAAAAAAAAAAAAAAAAAAAAAAAAAAAAAAAAAAAAAAABQAAAAAAAAAwMD/AAAAAABkAAAAMgAAAAAAAABkAAAAAAAAAH9/fwAKAAAAIgAAABgAAAAAAAAAAAAAAAAAAAAAAAAAAAAAAAAAAAAkAAAAJAAAAAAAAAAHAAAAAAAAAAAAAAAAAAAAAAAAAAAAAAAAAAAAf39/ACUAAABYAAAAAAAAAAAAAAAAAAAAAAAAAAAAAAAAAAAAAAAAAAAAAAAAAAAAAAAAAAAAAAA/AAAAAAAAAKCGAQAAAAAAAAAAAAAAAAAMAAAAAQAAAAAAAAAAAAAAAAAAAB8AAABUAAAAT4G9Bf///wEAAAAAAAAAAAAAAAAAAAAAAAAAAAAAAAAAAAAAAAAAAAAAAAB/f38A7uzhA8zMzADAwP8Af39/AAAAAAAAAAAAAAAAAAAAAAAAAAAAIQAAABgAAAAUAAAA/h8AABoXAAD+MgAAXxkAAAAgAAAmAAAACAAAAP//////////"/>
+                  <pr:smNativeData xmlns:pr="smNativeData" xmlns="smNativeData" val="SMDATA_15_0rbXYhMAAAAlAAAAZAAAAE0AAAAAkAAAAEgAAACQAAAASAAAAAAAAAAAAAAAAAAAAAEAAABQAAAAAAAAAAAA4D8AAAAAAADgPwAAAAAAAOA/AAAAAAAA4D8AAAAAAADgPwAAAAAAAOA/AAAAAAAA4D8AAAAAAADgPwAAAAAAAOA/AAAAAAAA4D8CAAAAjAAAAAAAAAAAAAAAT4G9DP///wgAAAAAAAAAAAAAAAAAAAAAAAAAAAAAAAAAAAAAZAAAAAEAAABAAAAAAAAAAAAAAAAAAAAAAAAAAAAAAAAAAAAAAAAAAAAAAAAAAAAAAAAAAAAAAAAAAAAAAAAAAAAAAAAAAAAAAAAAAAAAAAAAAAAAAAAAAAAAAAAAAAAAFAAAADwAAAAAAAAAAAAAAAAAAAAPAAAAAQAAACMAAAAjAAAAIwAAAB4AAAAAAAAAZAAAAGQAAAAAAAAAZAAAAGQAAAAVAAAAYAAAAAAAAAAAAAAADwAAACADAAAAAAAAAAAAAAEAAACgMgAAVgcAAKr4//8BAAAAf39/AAEAAABkAAAAAAAAABQAAABAHwAAAAAAACYAAAAAAAAAwOD//wAAAAAmAAAAZAAAABYAAABMAAAAAAAAAAAAAAAEAAAAAAAAAAEAAADu7OEKAAAAACgAAAAoAAAAZAAAAGQAAAAAAAAAzMzMAAAAAABQAAAAUAAAAGQAAABkAAAAAAAAABcAAAAUAAAAAAAAAAAAAAD/fwAA/38AAAAAAAAJAAAABAAAAPRFNd0eAAAAaAAAAAAAAAAAAAAAAAAAAAAAAAAAAAAAECcAABAnAAAAAAAAAAAAAAAAAAAAAAAAAAAAAAAAAAAAAAAAAAAAABQAAAAAAAAAwMD/AAAAAABkAAAAMgAAAAAAAABkAAAAAAAAAH9/fwAKAAAAIgAAABgAAAAAAAAAAAAAAAAAAAAAAAAAAAAAAAAAAAAkAAAAJAAAAAAAAAAHAAAAAAAAAAAAAAAAAAAAAAAAAAAAAAAAAAAAf39/ACUAAABYAAAAAAAAAAAAAAAAAAAAAAAAAAAAAAAAAAAAAAAAAAAAAAAAAAAAAAAAAAAAAAA/AAAAAAAAAKCGAQAAAAAAAAAAAAAAAAAMAAAAAQAAAAAAAAAAAAAAAAAAAB8AAABUAAAAT4G9Bf///wEAAAAAAAAAAAAAAAAAAAAAAAAAAAAAAAAAAAAAAAAAAAAAAAB/f38A7uzhA8zMzADAwP8Af39/AAAAAAAAAAAAAAAAAAAAAAAAAAAAIQAAABgAAAAUAAAA/h8AABoXAAD+MgAAXxkAAAAgAAAmAAAACAAAAP//////////"/>
                 </a:ext>
               </a:extLst>
             </p:cNvSpPr>
@@ -15308,7 +15486,7 @@
           <p:cNvGrpSpPr>
             <a:extLst>
               <a:ext uri="smNativeData">
-                <pr:smNativeData xmlns:pr="smNativeData" xmlns="smNativeData" val="SMDATA_6_iunWYhMAAAAlAAAAAQAAAA8BAAAAkAAAAEgAAACQAAAASAAAAAAAAAAAAAAAAAAAABcAAAAUAAAAAAAAAAAAAAD/fwAA/38AAAAAAAAJAAAABAAAACwBAAAfAAAAVAAAAAAAAAAAAAAAAAAAAAAAAAAAAAAAAAAAAAAAAAAAAAAAAAAAAAAAAAAAAAAAAAAAAAAAAAAAAAAAAAAAAAAAAAAAAAAAAAAAAAAAAAAAAAAAAAAAACEAAAAYAAAAFAAAAAAAAADkAgAA6BUAAAQQAAAQAAAAJgAAAAgAAAD/////AAAAAA=="/>
+                <pr:smNativeData xmlns:pr="smNativeData" xmlns="smNativeData" val="SMDATA_6_0rbXYhMAAAAlAAAAAQAAAA8BAAAAkAAAAEgAAACQAAAASAAAAAAAAAAAAAAAAAAAABcAAAAUAAAAAAAAAAAAAAD/fwAA/38AAAAAAAAJAAAABAAAACwBAAAfAAAAVAAAAAAAAAAAAAAAAAAAAAAAAAAAAAAAAAAAAAAAAAAAAAAAAAAAAAAAAAAAAAAAAAAAAAAAAAAAAAAAAAAAAAAAAAAAAAAAAAAAAAAAAAAAAAAAAAAAACEAAAAYAAAAFAAAAAAAAADkAgAA6BUAAAQQAAAQAAAAJgAAAAgAAAD/////AAAAAA=="/>
               </a:ext>
             </a:extLst>
           </p:cNvGrpSpPr>
@@ -15329,7 +15507,7 @@
               <a:picLocks noChangeAspect="1"/>
               <a:extLst>
                 <a:ext uri="smNativeData">
-                  <pr:smNativeData xmlns:pr="smNativeData" xmlns="smNativeData" val="SMDATA_17_iunWYhMAAAAlAAAAEQAAAC0AAAAAkAAAAEgAAACQAAAASAAAAAAAAAAAAAAAAAAAAAEAAABQAAAAAAAAAAAA4D8AAAAAAADgPwAAAAAAAOA/AAAAAAAA4D8AAAAAAADgPwAAAAAAAOA/AAAAAAAA4D8AAAAAAADgPwAAAAAAAOA/AAAAAAAA4D8CAAAAjAAAAAAAAAAAAAAAT4G9DP///wgAAAAAAAAAAAAAAAAAAAAAAAAAAAAAAAAAAAAAZAAAAAEAAABAAAAAAAAAAAAAAAAAAAAAAAAAAAAAAAAAAAAAAAAAAAAAAAAAAAAAAAAAAAAAAAAAAAAAAAAAAAAAAAAAAAAAAAAAAAAAAAAAAAAAAAAAAAAAAAAAAAAAFAAAADwAAAAAAAAAAAAAAAAAAAkUAAAAAQAAABQAAAAUAAAAFAAAAAEAAAAAAAAAZAAAAGQAAAAAAAAAZAAAAGQAAAAVAAAAYAAAAAAAAAAAAAAADwAAACADAAAAAAAAAAAAAAEAAACgMgAAVgcAAKr4//8BAAAAf39/AAEAAABkAAAAAAAAABQAAABAHwAAAAAAACYAAAAAAAAAwOD//wAAAAAmAAAAZAAAABYAAABMAAAAAAAAAAAAAAAEAAAAAAAAAAEAAADu7OEKAAAAACgAAAAoAAAAZAAAAGQAAAAAAAAAzMzMAAAAAABQAAAAUAAAAGQAAABkAAAAAAAAAAcAAAA4AAAAAAAAAAAAAAAAAAAA////AAAAAAAAAAAAAAAAAAAAAAAAAAAAiwMAAAAAAABkAAAAZAAAAAAAAAAjAAAABAAAAGQAAAAXAAAAFAAAAAAAAAAAAAAA/38AAP9/AAAAAAAACQAAAAQAAABAAAEEHgAAAGgAAAAAAAAAAAAAAAAAAAAAAAAAAAAAABAnAAAQJwAAAAAAAAAAAAAAAAAAAAAAAAAAAAAAAAAAAAAAAAAAAAAUAAAAAAAAAMDA/wAAAAAAZAAAADIAAAAAAAAAZAAAAAAAAAB/f38ACgAAACIAAAAYAAAAAAAAAAAAAAAAAAAAAAAAAAAAAAAAAAAAJAAAACQAAAAAAAAABwAAAAAAAAAAAAAAAAAAAAAAAAAAAAAAAAAAAH9/fwAlAAAAWAAAAAAAAAAAAAAAAAAAAAAAAAAAAAAAAAAAAAAAAAAAAAAAAAAAAAAAAAAAAAAAPwAAAAAAAACghgEAAAAAAAAAAAAAAAAADAAAAAEAAAAAAAAAAAAAAAAAAAAfAAAAVAAAAE+BvQX///8BAAAAAAAAAAAAAAAAAAAAAAAAAAAAAAAAAAAAAAAAAAAAAAACf39/AO7s4QPMzMwAwMD/AH9/fwAAAAAAAAAAAAAAAAD///8AAAAAACEAAAAYAAAAFAAAAAAAAADkAgAA6BUAAAQQAAAAAAAAJgAAAAgAAAD//////////w=="/>
+                  <pr:smNativeData xmlns:pr="smNativeData" xmlns="smNativeData" val="SMDATA_17_0rbXYhMAAAAlAAAAEQAAAC0AAAAAkAAAAEgAAACQAAAASAAAAAAAAAAAAAAAAAAAAAEAAABQAAAAAAAAAAAA4D8AAAAAAADgPwAAAAAAAOA/AAAAAAAA4D8AAAAAAADgPwAAAAAAAOA/AAAAAAAA4D8AAAAAAADgPwAAAAAAAOA/AAAAAAAA4D8CAAAAjAAAAAAAAAAAAAAAT4G9DP///wgAAAAAAAAAAAAAAAAAAAAAAAAAAAAAAAAAAAAAZAAAAAEAAABAAAAAAAAAAAAAAAAAAAAAAAAAAAAAAAAAAAAAAAAAAAAAAAAAAAAAAAAAAAAAAAAAAAAAAAAAAAAAAAAAAAAAAAAAAAAAAAAAAAAAAAAAAAAAAAAAAAAAFAAAADwAAAAAAAAAAAAAAAAAAAkUAAAAAQAAABQAAAAUAAAAFAAAAAEAAAAAAAAAZAAAAGQAAAAAAAAAZAAAAGQAAAAVAAAAYAAAAAAAAAAAAAAADwAAACADAAAAAAAAAAAAAAEAAACgMgAAVgcAAKr4//8BAAAAf39/AAEAAABkAAAAAAAAABQAAABAHwAAAAAAACYAAAAAAAAAwOD//wAAAAAmAAAAZAAAABYAAABMAAAAAAAAAAAAAAAEAAAAAAAAAAEAAADu7OEKAAAAACgAAAAoAAAAZAAAAGQAAAAAAAAAzMzMAAAAAABQAAAAUAAAAGQAAABkAAAAAAAAAAcAAAA4AAAAAAAAAAAAAAAAAAAA////AAAAAAAAAAAAAAAAAAAAAAAAAAAAiwMAAAAAAABkAAAAZAAAAAAAAAAjAAAABAAAAGQAAAAXAAAAFAAAAAAAAAAAAAAA/38AAP9/AAAAAAAACQAAAAQAAABAAAEEHgAAAGgAAAAAAAAAAAAAAAAAAAAAAAAAAAAAABAnAAAQJwAAAAAAAAAAAAAAAAAAAAAAAAAAAAAAAAAAAAAAAAAAAAAUAAAAAAAAAMDA/wAAAAAAZAAAADIAAAAAAAAAZAAAAAAAAAB/f38ACgAAACIAAAAYAAAAAAAAAAAAAAAAAAAAAAAAAAAAAAAAAAAAJAAAACQAAAAAAAAABwAAAAAAAAAAAAAAAAAAAAAAAAAAAAAAAAAAAH9/fwAlAAAAWAAAAAAAAAAAAAAAAAAAAAAAAAAAAAAAAAAAAAAAAAAAAAAAAAAAAAAAAAAAAAAAPwAAAAAAAACghgEAAAAAAAAAAAAAAAAADAAAAAEAAAAAAAAAAAAAAAAAAAAfAAAAVAAAAE+BvQX///8BAAAAAAAAAAAAAAAAAAAAAAAAAAAAAAAAAAAAAAAAAAAAAAACf39/AO7s4QPMzMwAwMD/AH9/fwAAAAAAAAAAAAAAAAD///8AAAAAACEAAAAYAAAAFAAAAAAAAADkAgAA6BUAAAQQAAAAAAAAJgAAAAgAAAD//////////w=="/>
                 </a:ext>
               </a:extLst>
             </p:cNvPicPr>
@@ -15363,7 +15541,7 @@
             <p:cNvSpPr>
               <a:extLst>
                 <a:ext uri="smNativeData">
-                  <pr:smNativeData xmlns:pr="smNativeData" xmlns="smNativeData" val="SMDATA_15_iunWYhMAAAAlAAAAZAAAAE0AAAAAkAAAAEgAAACQAAAASAAAAAAAAAAAAAAAAAAAAAEAAABQAAAAAAAAAAAA4D8AAAAAAADgPwAAAAAAAOA/AAAAAAAA4D8AAAAAAADgPwAAAAAAAOA/AAAAAAAA4D8AAAAAAADgPwAAAAAAAOA/AAAAAAAA4D8CAAAAjAAAAAAAAAAAAAAAT4G9DP///wgAAAAAAAAAAAAAAAAAAAAAAAAAAAAAAAAAAAAAZAAAAAEAAABAAAAAAAAAAAAAAAAAAAAAAAAAAAAAAAAAAAAAAAAAAAAAAAAAAAAAAAAAAAAAAAAAAAAAAAAAAAAAAAAAAAAAAAAAAAAAAAAAAAAAAAAAAAAAAAAAAAAAFAAAADwAAAAAAAAAAAAAAAAAAAAPAAAAAQAAACMAAAAjAAAAIwAAAB4AAAAAAAAAZAAAAGQAAAAAAAAAZAAAAGQAAAAVAAAAYAAAAAAAAAAAAAAADwAAACADAAAAAAAAAAAAAAEAAACgMgAAVgcAAKr4//8BAAAAf39/AAEAAABkAAAAAAAAABQAAABAHwAAAAAAACYAAAAAAAAAwOD//wAAAAAmAAAAZAAAABYAAABMAAAAAAAAAAAAAAAEAAAAAAAAAAEAAADu7OEKAAAAACgAAAAoAAAAZAAAAGQAAAAAAAAAzMzMAAAAAABQAAAAUAAAAGQAAABkAAAAAAAAABcAAAAUAAAAAAAAAAAAAAD/fwAA/38AAAAAAAAJAAAABAAAAIr/CCAeAAAAaAAAAAAAAAAAAAAAAAAAAAAAAAAAAAAAECcAABAnAAAAAAAAAAAAAAAAAAAAAAAAAAAAAAAAAAAAAAAAAAAAABQAAAAAAAAAwMD/AAAAAABkAAAAMgAAAAAAAABkAAAAAAAAAH9/fwAKAAAAIgAAABgAAAAAAAAAAAAAAAAAAAAAAAAAAAAAAAAAAAAkAAAAJAAAAAAAAAAHAAAAAAAAAAAAAAAAAAAAAAAAAAAAAAAAAAAAf39/ACUAAABYAAAAAAAAAAAAAAAAAAAAAAAAAAAAAAAAAAAAAAAAAAAAAAAAAAAAAAAAAAAAAAA/AAAAAAAAAKCGAQAAAAAAAAAAAAAAAAAMAAAAAQAAAAAAAAAAAAAAAAAAAB8AAABUAAAAT4G9Bf///wEAAAAAAAAAAAAAAAAAAAAAAAAAAAAAAAAAAAAAAAAAAAAAAAB/f38A7uzhA8zMzADAwP8Af39/AAAAAAAAAAAAAAAAAAAAAAAAAAAAIQAAABgAAAAUAAAA6A0AADAMAADoFQAAdg4AAAAgAAAmAAAACAAAAP//////////"/>
+                  <pr:smNativeData xmlns:pr="smNativeData" xmlns="smNativeData" val="SMDATA_15_0rbXYhMAAAAlAAAAZAAAAE0AAAAAkAAAAEgAAACQAAAASAAAAAAAAAAAAAAAAAAAAAEAAABQAAAAAAAAAAAA4D8AAAAAAADgPwAAAAAAAOA/AAAAAAAA4D8AAAAAAADgPwAAAAAAAOA/AAAAAAAA4D8AAAAAAADgPwAAAAAAAOA/AAAAAAAA4D8CAAAAjAAAAAAAAAAAAAAAT4G9DP///wgAAAAAAAAAAAAAAAAAAAAAAAAAAAAAAAAAAAAAZAAAAAEAAABAAAAAAAAAAAAAAAAAAAAAAAAAAAAAAAAAAAAAAAAAAAAAAAAAAAAAAAAAAAAAAAAAAAAAAAAAAAAAAAAAAAAAAAAAAAAAAAAAAAAAAAAAAAAAAAAAAAAAFAAAADwAAAAAAAAAAAAAAAAAAAAPAAAAAQAAACMAAAAjAAAAIwAAAB4AAAAAAAAAZAAAAGQAAAAAAAAAZAAAAGQAAAAVAAAAYAAAAAAAAAAAAAAADwAAACADAAAAAAAAAAAAAAEAAACgMgAAVgcAAKr4//8BAAAAf39/AAEAAABkAAAAAAAAABQAAABAHwAAAAAAACYAAAAAAAAAwOD//wAAAAAmAAAAZAAAABYAAABMAAAAAAAAAAAAAAAEAAAAAAAAAAEAAADu7OEKAAAAACgAAAAoAAAAZAAAAGQAAAAAAAAAzMzMAAAAAABQAAAAUAAAAGQAAABkAAAAAAAAABcAAAAUAAAAAAAAAAAAAAD/fwAA/38AAAAAAAAJAAAABAAAAIr/CCAeAAAAaAAAAAAAAAAAAAAAAAAAAAAAAAAAAAAAECcAABAnAAAAAAAAAAAAAAAAAAAAAAAAAAAAAAAAAAAAAAAAAAAAABQAAAAAAAAAwMD/AAAAAABkAAAAMgAAAAAAAABkAAAAAAAAAH9/fwAKAAAAIgAAABgAAAAAAAAAAAAAAAAAAAAAAAAAAAAAAAAAAAAkAAAAJAAAAAAAAAAHAAAAAAAAAAAAAAAAAAAAAAAAAAAAAAAAAAAAf39/ACUAAABYAAAAAAAAAAAAAAAAAAAAAAAAAAAAAAAAAAAAAAAAAAAAAAAAAAAAAAAAAAAAAAA/AAAAAAAAAKCGAQAAAAAAAAAAAAAAAAAMAAAAAQAAAAAAAAAAAAAAAAAAAB8AAABUAAAAT4G9Bf///wEAAAAAAAAAAAAAAAAAAAAAAAAAAAAAAAAAAAAAAAAAAAAAAAB/f38A7uzhA8zMzADAwP8Af39/AAAAAAAAAAAAAAAAAAAAAAAAAAAAIQAAABgAAAAUAAAA6A0AADAMAADoFQAAdg4AAAAgAAAmAAAACAAAAP//////////"/>
                 </a:ext>
               </a:extLst>
             </p:cNvSpPr>
@@ -15403,7 +15581,7 @@
           <p:cNvGrpSpPr>
             <a:extLst>
               <a:ext uri="smNativeData">
-                <pr:smNativeData xmlns:pr="smNativeData" xmlns="smNativeData" val="SMDATA_6_iunWYhMAAAAlAAAAAQAAAA8BAAAAkAAAAEgAAACQAAAASAAAAAAAAAAAAAAAAAAAABcAAAAUAAAAAAAAAAAAAAD/fwAA/38AAAAAAAAJAAAABAAAAE8BAAAfAAAAVAAAAAAAAAAAAAAAAAAAAAAAAAAAAAAAAAAAAAAAAAAAAAAAAAAAAAAAAAAAAAAAAAAAAAAAAAAAAAAAAAAAAAAAAAAAAAAAAAAAAAAAAAAAAAAAAAAAACEAAAAYAAAAFAAAANkcAADkAgAABDMAANwPAAAQAAAAJgAAAAgAAAD/////AAAAAA=="/>
+                <pr:smNativeData xmlns:pr="smNativeData" xmlns="smNativeData" val="SMDATA_6_0rbXYhMAAAAlAAAAAQAAAA8BAAAAkAAAAEgAAACQAAAASAAAAAAAAAAAAAAAAAAAABcAAAAUAAAAAAAAAAAAAAD/fwAA/38AAAAAAAAJAAAABAAAAE8BAAAfAAAAVAAAAAAAAAAAAAAAAAAAAAAAAAAAAAAAAAAAAAAAAAAAAAAAAAAAAAAAAAAAAAAAAAAAAAAAAAAAAAAAAAAAAAAAAAAAAAAAAAAAAAAAAAAAAAAAAAAAACEAAAAYAAAAFAAAANkcAADkAgAABDMAANwPAAAQAAAAJgAAAAgAAAD/////AAAAAA=="/>
               </a:ext>
             </a:extLst>
           </p:cNvGrpSpPr>
@@ -15424,7 +15602,7 @@
               <a:picLocks noChangeAspect="1"/>
               <a:extLst>
                 <a:ext uri="smNativeData">
-                  <pr:smNativeData xmlns:pr="smNativeData" xmlns="smNativeData" val="SMDATA_17_iunWYhMAAAAlAAAAEQAAAC0AAAAAkAAAAEgAAACQAAAASAAAAAAAAAAAAAAAAAAAAAEAAABQAAAAAAAAAAAA4D8AAAAAAADgPwAAAAAAAOA/AAAAAAAA4D8AAAAAAADgPwAAAAAAAOA/AAAAAAAA4D8AAAAAAADgPwAAAAAAAOA/AAAAAAAA4D8CAAAAjAAAAAAAAAAAAAAAT4G9DP///wgAAAAAAAAAAAAAAAAAAAAAAAAAAAAAAAAAAAAAZAAAAAEAAABAAAAAAAAAAAAAAAAAAAAAAAAAAAAAAAAAAAAAAAAAAAAAAAAAAAAAAAAAAAAAAAAAAAAAAAAAAAAAAAAAAAAAAAAAAAAAAAAAAAAAAAAAAAAAAAAAAAAAFAAAADwAAAAAAAAAAAAAAAAAAAkUAAAAAQAAABQAAAAUAAAAFAAAAAEAAAAAAAAAZAAAAGQAAAAAAAAAZAAAAGQAAAAVAAAAYAAAAAAAAAAAAAAADwAAACADAAAAAAAAAAAAAAEAAACgMgAAVgcAAKr4//8BAAAAf39/AAEAAABkAAAAAAAAABQAAABAHwAAAAAAACYAAAAAAAAAwOD//wAAAAAmAAAAZAAAABYAAABMAAAAAAAAAAAAAAAEAAAAAAAAAAEAAADu7OEKAAAAACgAAAAoAAAAZAAAAGQAAAAAAAAAzMzMAAAAAABQAAAAUAAAAGQAAABkAAAAAAAAAAcAAAA4AAAAAAAAAAAAAAAAAAAA////AAAAAAAAAAAAAAAAAAAAAAAAAAAAKBUAAAAAAABkAAAAZAAAAAAAAAAjAAAABAAAAGQAAAAXAAAAFAAAAAAAAAAAAAAA/38AAP9/AAAAAAAACQAAAAQAAABzdFN0HgAAAGgAAAAAAAAAAAAAAAAAAAAAAAAAAAAAABAnAAAQJwAAAAAAAAAAAAAAAAAAAAAAAAAAAAAAAAAAAAAAAAAAAAAUAAAAAAAAAMDA/wAAAAAAZAAAADIAAAAAAAAAZAAAAAAAAAB/f38ACgAAACIAAAAYAAAAAAAAAAAAAAAAAAAAAAAAAAAAAAAAAAAAJAAAACQAAAAAAAAABwAAAAAAAAAAAAAAAAAAAAAAAAAAAAAAAAAAAH9/fwAlAAAAWAAAAAAAAAAAAAAAAAAAAAAAAAAAAAAAAAAAAAAAAAAAAAAAAAAAAAAAAAAAAAAAPwAAAAAAAACghgEAAAAAAAAAAAAAAAAADAAAAAEAAAAAAAAAAAAAAAAAAAAfAAAAVAAAAE+BvQX///8BAAAAAAAAAAAAAAAAAAAAAAAAAAAAAAAAAAAAAAAAAAAAAAACf39/AO7s4QPMzMwAwMD/AH9/fwAAAAAAAAAAAAAAAAD///8AAAAAACEAAAAYAAAAFAAAANkcAADkAgAABDMAANwPAAAAAAAAJgAAAAgAAAD//////////w=="/>
+                  <pr:smNativeData xmlns:pr="smNativeData" xmlns="smNativeData" val="SMDATA_17_0rbXYhMAAAAlAAAAEQAAAC0AAAAAkAAAAEgAAACQAAAASAAAAAAAAAAAAAAAAAAAAAEAAABQAAAAAAAAAAAA4D8AAAAAAADgPwAAAAAAAOA/AAAAAAAA4D8AAAAAAADgPwAAAAAAAOA/AAAAAAAA4D8AAAAAAADgPwAAAAAAAOA/AAAAAAAA4D8CAAAAjAAAAAAAAAAAAAAAT4G9DP///wgAAAAAAAAAAAAAAAAAAAAAAAAAAAAAAAAAAAAAZAAAAAEAAABAAAAAAAAAAAAAAAAAAAAAAAAAAAAAAAAAAAAAAAAAAAAAAAAAAAAAAAAAAAAAAAAAAAAAAAAAAAAAAAAAAAAAAAAAAAAAAAAAAAAAAAAAAAAAAAAAAAAAFAAAADwAAAAAAAAAAAAAAAAAAAkUAAAAAQAAABQAAAAUAAAAFAAAAAEAAAAAAAAAZAAAAGQAAAAAAAAAZAAAAGQAAAAVAAAAYAAAAAAAAAAAAAAADwAAACADAAAAAAAAAAAAAAEAAACgMgAAVgcAAKr4//8BAAAAf39/AAEAAABkAAAAAAAAABQAAABAHwAAAAAAACYAAAAAAAAAwOD//wAAAAAmAAAAZAAAABYAAABMAAAAAAAAAAAAAAAEAAAAAAAAAAEAAADu7OEKAAAAACgAAAAoAAAAZAAAAGQAAAAAAAAAzMzMAAAAAABQAAAAUAAAAGQAAABkAAAAAAAAAAcAAAA4AAAAAAAAAAAAAAAAAAAA////AAAAAAAAAAAAAAAAAAAAAAAAAAAAKBUAAAAAAABkAAAAZAAAAAAAAAAjAAAABAAAAGQAAAAXAAAAFAAAAAAAAAAAAAAA/38AAP9/AAAAAAAACQAAAAQAAABzdFN0HgAAAGgAAAAAAAAAAAAAAAAAAAAAAAAAAAAAABAnAAAQJwAAAAAAAAAAAAAAAAAAAAAAAAAAAAAAAAAAAAAAAAAAAAAUAAAAAAAAAMDA/wAAAAAAZAAAADIAAAAAAAAAZAAAAAAAAAB/f38ACgAAACIAAAAYAAAAAAAAAAAAAAAAAAAAAAAAAAAAAAAAAAAAJAAAACQAAAAAAAAABwAAAAAAAAAAAAAAAAAAAAAAAAAAAAAAAAAAAH9/fwAlAAAAWAAAAAAAAAAAAAAAAAAAAAAAAAAAAAAAAAAAAAAAAAAAAAAAAAAAAAAAAAAAAAAAPwAAAAAAAACghgEAAAAAAAAAAAAAAAAADAAAAAEAAAAAAAAAAAAAAAAAAAAfAAAAVAAAAE+BvQX///8BAAAAAAAAAAAAAAAAAAAAAAAAAAAAAAAAAAAAAAAAAAAAAAACf39/AO7s4QPMzMwAwMD/AH9/fwAAAAAAAAAAAAAAAAD///8AAAAAACEAAAAYAAAAFAAAANkcAADkAgAABDMAANwPAAAAAAAAJgAAAAgAAAD//////////w=="/>
                 </a:ext>
               </a:extLst>
             </p:cNvPicPr>
@@ -15458,7 +15636,7 @@
             <p:cNvSpPr>
               <a:extLst>
                 <a:ext uri="smNativeData">
-                  <pr:smNativeData xmlns:pr="smNativeData" xmlns="smNativeData" val="SMDATA_15_iunWYhMAAAAlAAAAZAAAAE0AAAAAkAAAAEgAAACQAAAASAAAAAAAAAAAAAAAAAAAAAEAAABQAAAAAAAAAAAA4D8AAAAAAADgPwAAAAAAAOA/AAAAAAAA4D8AAAAAAADgPwAAAAAAAOA/AAAAAAAA4D8AAAAAAADgPwAAAAAAAOA/AAAAAAAA4D8CAAAAjAAAAAAAAAAAAAAAT4G9DP///wgAAAAAAAAAAAAAAAAAAAAAAAAAAAAAAAAAAAAAZAAAAAEAAABAAAAAAAAAAAAAAAAAAAAAAAAAAAAAAAAAAAAAAAAAAAAAAAAAAAAAAAAAAAAAAAAAAAAAAAAAAAAAAAAAAAAAAAAAAAAAAAAAAAAAAAAAAAAAAAAAAAAAFAAAADwAAAAAAAAAAAAAAAAAAAAPAAAAAQAAACMAAAAjAAAAIwAAAB4AAAAAAAAAZAAAAGQAAAAAAAAAZAAAAGQAAAAVAAAAYAAAAAAAAAAAAAAADwAAACADAAAAAAAAAAAAAAEAAACgMgAAVgcAAKr4//8BAAAAf39/AAEAAABkAAAAAAAAABQAAABAHwAAAAAAACYAAAAAAAAAwOD//wAAAAAmAAAAZAAAABYAAABMAAAAAAAAAAAAAAAEAAAAAAAAAAEAAADu7OEKAAAAACgAAAAoAAAAZAAAAGQAAAAAAAAAzMzMAAAAAABQAAAAUAAAAGQAAABkAAAAAAAAABcAAAAUAAAAAAAAAAAAAAD/fwAA/38AAAAAAAAJAAAABAAAADEyMDAeAAAAaAAAAAAAAAAAAAAAAAAAAAAAAAAAAAAAECcAABAnAAAAAAAAAAAAAAAAAAAAAAAAAAAAAAAAAAAAAAAAAAAAABQAAAAAAAAAwMD/AAAAAABkAAAAMgAAAAAAAABkAAAAAAAAAH9/fwAKAAAAIgAAABgAAAAAAAAAAAAAAAAAAAAAAAAAAAAAAAAAAAAkAAAAJAAAAAAAAAAHAAAAAAAAAAAAAAAAAAAAAAAAAAAAAAAAAAAAf39/ACUAAABYAAAAAAAAAAAAAAAAAAAAAAAAAAAAAAAAAAAAAAAAAAAAAAAAAAAAAAAAAAAAAAA/AAAAAAAAAKCGAQAAAAAAAAAAAAAAAAAMAAAAAQAAAAAAAAAAAAAAAAAAAB8AAABUAAAAT4G9Bf///wEAAAAAAAAAAAAAAAAAAAAAAAAAAAAAAAAAAAAAAAAAAAAAAAB/f38A7uzhA8zMzADAwP8Af39/AAAAAAAAAAAAAAAAAAAAAAAAAAAAIQAAABgAAAAUAAAABCsAADAMAADcMgAAdg4AAAAgAAAmAAAACAAAAP//////////"/>
+                  <pr:smNativeData xmlns:pr="smNativeData" xmlns="smNativeData" val="SMDATA_15_0rbXYhMAAAAlAAAAZAAAAE0AAAAAkAAAAEgAAACQAAAASAAAAAAAAAAAAAAAAAAAAAEAAABQAAAAAAAAAAAA4D8AAAAAAADgPwAAAAAAAOA/AAAAAAAA4D8AAAAAAADgPwAAAAAAAOA/AAAAAAAA4D8AAAAAAADgPwAAAAAAAOA/AAAAAAAA4D8CAAAAjAAAAAAAAAAAAAAAT4G9DP///wgAAAAAAAAAAAAAAAAAAAAAAAAAAAAAAAAAAAAAZAAAAAEAAABAAAAAAAAAAAAAAAAAAAAAAAAAAAAAAAAAAAAAAAAAAAAAAAAAAAAAAAAAAAAAAAAAAAAAAAAAAAAAAAAAAAAAAAAAAAAAAAAAAAAAAAAAAAAAAAAAAAAAFAAAADwAAAAAAAAAAAAAAAAAAAAPAAAAAQAAACMAAAAjAAAAIwAAAB4AAAAAAAAAZAAAAGQAAAAAAAAAZAAAAGQAAAAVAAAAYAAAAAAAAAAAAAAADwAAACADAAAAAAAAAAAAAAEAAACgMgAAVgcAAKr4//8BAAAAf39/AAEAAABkAAAAAAAAABQAAABAHwAAAAAAACYAAAAAAAAAwOD//wAAAAAmAAAAZAAAABYAAABMAAAAAAAAAAAAAAAEAAAAAAAAAAEAAADu7OEKAAAAACgAAAAoAAAAZAAAAGQAAAAAAAAAzMzMAAAAAABQAAAAUAAAAGQAAABkAAAAAAAAABcAAAAUAAAAAAAAAAAAAAD/fwAA/38AAAAAAAAJAAAABAAAADEyMDAeAAAAaAAAAAAAAAAAAAAAAAAAAAAAAAAAAAAAECcAABAnAAAAAAAAAAAAAAAAAAAAAAAAAAAAAAAAAAAAAAAAAAAAABQAAAAAAAAAwMD/AAAAAABkAAAAMgAAAAAAAABkAAAAAAAAAH9/fwAKAAAAIgAAABgAAAAAAAAAAAAAAAAAAAAAAAAAAAAAAAAAAAAkAAAAJAAAAAAAAAAHAAAAAAAAAAAAAAAAAAAAAAAAAAAAAAAAAAAAf39/ACUAAABYAAAAAAAAAAAAAAAAAAAAAAAAAAAAAAAAAAAAAAAAAAAAAAAAAAAAAAAAAAAAAAA/AAAAAAAAAKCGAQAAAAAAAAAAAAAAAAAMAAAAAQAAAAAAAAAAAAAAAAAAAB8AAABUAAAAT4G9Bf///wEAAAAAAAAAAAAAAAAAAAAAAAAAAAAAAAAAAAAAAAAAAAAAAAB/f38A7uzhA8zMzADAwP8Af39/AAAAAAAAAAAAAAAAAAAAAAAAAAAAIQAAABgAAAAUAAAABCsAADAMAADcMgAAdg4AAAAgAAAmAAAACAAAAP//////////"/>
                 </a:ext>
               </a:extLst>
             </p:cNvSpPr>
@@ -15498,7 +15676,7 @@
           <p:cNvGrpSpPr>
             <a:extLst>
               <a:ext uri="smNativeData">
-                <pr:smNativeData xmlns:pr="smNativeData" xmlns="smNativeData" val="SMDATA_6_iunWYhMAAAAlAAAAAQAAAA8BAAAAkAAAAEgAAACQAAAASAAAAAAAAAAAAAAAAAAAABcAAAAUAAAAAAAAAAAAAAD/fwAA/38AAAAAAAAJAAAABAAAAB0AAAAfAAAAVAAAAAAAAAAAAAAAAAAAAAAAAAAAAAAAAAAAAAAAAAAAAAAAAAAAAAAAAAAAAAAAAAAAAAAAAAAAAAAAAAAAAAAAAAAAAAAAAAAAAAAAAAAAAAAAAAAAACEAAAAYAAAAFAAAAAAAAAD0GgAANBYAACgoAAAQAAAAJgAAAAgAAAD/////AAAAAA=="/>
+                <pr:smNativeData xmlns:pr="smNativeData" xmlns="smNativeData" val="SMDATA_6_0rbXYhMAAAAlAAAAAQAAAA8BAAAAkAAAAEgAAACQAAAASAAAAAAAAAAAAAAAAAAAABcAAAAUAAAAAAAAAAAAAAD/fwAA/38AAAAAAAAJAAAABAAAAB0AAAAfAAAAVAAAAAAAAAAAAAAAAAAAAAAAAAAAAAAAAAAAAAAAAAAAAAAAAAAAAAAAAAAAAAAAAAAAAAAAAAAAAAAAAAAAAAAAAAAAAAAAAAAAAAAAAAAAAAAAAAAAACEAAAAYAAAAFAAAAAAAAAD0GgAANBYAACgoAAAQAAAAJgAAAAgAAAD/////AAAAAA=="/>
               </a:ext>
             </a:extLst>
           </p:cNvGrpSpPr>
@@ -15519,7 +15697,7 @@
               <a:picLocks noChangeAspect="1"/>
               <a:extLst>
                 <a:ext uri="smNativeData">
-                  <pr:smNativeData xmlns:pr="smNativeData" xmlns="smNativeData" val="SMDATA_17_iunWYhMAAAAlAAAAEQAAAC0AAAAAkAAAAEgAAACQAAAASAAAAAAAAAAAAAAAAAAAAAEAAABQAAAAAAAAAAAA4D8AAAAAAADgPwAAAAAAAOA/AAAAAAAA4D8AAAAAAADgPwAAAAAAAOA/AAAAAAAA4D8AAAAAAADgPwAAAAAAAOA/AAAAAAAA4D8CAAAAjAAAAAAAAAAAAAAAT4G9DP///wgAAAAAAAAAAAAAAAAAAAAAAAAAAAAAAAAAAAAAZAAAAAEAAABAAAAAAAAAAAAAAAAAAAAAAAAAAAAAAAAAAAAAAAAAAAAAAAAAAAAAAAAAAAAAAAAAAAAAAAAAAAAAAAAAAAAAAAAAAAAAAAAAAAAAAAAAAAAAAAAAAAAAFAAAADwAAAAAAAAAAAAAAAAAAAkUAAAAAQAAABQAAAAUAAAAFAAAAAEAAAAAAAAAZAAAAGQAAAAAAAAAZAAAAGQAAAAVAAAAYAAAAAAAAAAAAAAADwAAACADAAAAAAAAAAAAAAEAAACgMgAAVgcAAKr4//8BAAAAf39/AAEAAABkAAAAAAAAABQAAABAHwAAAAAAACYAAAAAAAAAwOD//wAAAAAmAAAAZAAAABYAAABMAAAAAAAAAAAAAAAEAAAAAAAAAAEAAADu7OEKAAAAACgAAAAoAAAAZAAAAGQAAAAAAAAAzMzMAAAAAABQAAAAUAAAAGQAAABkAAAAAAAAAAcAAAA4AAAAAAAAAAAAAAAAAAAA////AAAAAAAAAAAAAAAAAPsDAAAAAAAAAAAAAAAAAABkAAAAZAAAAAAAAAAjAAAABAAAAGQAAAAXAAAAFAAAAAAAAAAAAAAA/38AAP9/AAAAAAAACQAAAAQAAABCcms9HgAAAGgAAAAAAAAAAAAAAAAAAAAAAAAAAAAAABAnAAAQJwAAAAAAAAAAAAAAAAAAAAAAAAAAAAAAAAAAAAAAAAAAAAAUAAAAAAAAAMDA/wAAAAAAZAAAADIAAAAAAAAAZAAAAAAAAAB/f38ACgAAACIAAAAYAAAAAAAAAAAAAAAAAAAAAAAAAAAAAAAAAAAAJAAAACQAAAAAAAAABwAAAAAAAAAAAAAAAAAAAAAAAAAAAAAAAAAAAH9/fwAlAAAAWAAAAAAAAAAAAAAAAAAAAAAAAAAAAAAAAAAAAAAAAAAAAAAAAAAAAAAAAAAAAAAAPwAAAAAAAACghgEAAAAAAAAAAAAAAAAADAAAAAEAAAAAAAAAAAAAAAAAAAAfAAAAVAAAAE+BvQX///8BAAAAAAAAAAAAAAAAAAAAAAAAAAAAAAAAAAAAAAAAAAAAAAACf39/AO7s4QPMzMwAwMD/AH9/fwAAAAAAAAAAAAAAAAD///8AAAAAACEAAAAYAAAAFAAAAAAAAAD0GgAANBYAACgoAAAAAAAAJgAAAAgAAAD//////////w=="/>
+                  <pr:smNativeData xmlns:pr="smNativeData" xmlns="smNativeData" val="SMDATA_17_0rbXYhMAAAAlAAAAEQAAAC0AAAAAkAAAAEgAAACQAAAASAAAAAAAAAAAAAAAAAAAAAEAAABQAAAAAAAAAAAA4D8AAAAAAADgPwAAAAAAAOA/AAAAAAAA4D8AAAAAAADgPwAAAAAAAOA/AAAAAAAA4D8AAAAAAADgPwAAAAAAAOA/AAAAAAAA4D8CAAAAjAAAAAAAAAAAAAAAT4G9DP///wgAAAAAAAAAAAAAAAAAAAAAAAAAAAAAAAAAAAAAZAAAAAEAAABAAAAAAAAAAAAAAAAAAAAAAAAAAAAAAAAAAAAAAAAAAAAAAAAAAAAAAAAAAAAAAAAAAAAAAAAAAAAAAAAAAAAAAAAAAAAAAAAAAAAAAAAAAAAAAAAAAAAAFAAAADwAAAAAAAAAAAAAAAAAAAkUAAAAAQAAABQAAAAUAAAAFAAAAAEAAAAAAAAAZAAAAGQAAAAAAAAAZAAAAGQAAAAVAAAAYAAAAAAAAAAAAAAADwAAACADAAAAAAAAAAAAAAEAAACgMgAAVgcAAKr4//8BAAAAf39/AAEAAABkAAAAAAAAABQAAABAHwAAAAAAACYAAAAAAAAAwOD//wAAAAAmAAAAZAAAABYAAABMAAAAAAAAAAAAAAAEAAAAAAAAAAEAAADu7OEKAAAAACgAAAAoAAAAZAAAAGQAAAAAAAAAzMzMAAAAAABQAAAAUAAAAGQAAABkAAAAAAAAAAcAAAA4AAAAAAAAAAAAAAAAAAAA////AAAAAAAAAAAAAAAAAPsDAAAAAAAAAAAAAAAAAABkAAAAZAAAAAAAAAAjAAAABAAAAGQAAAAXAAAAFAAAAAAAAAAAAAAA/38AAP9/AAAAAAAACQAAAAQAAABCcms9HgAAAGgAAAAAAAAAAAAAAAAAAAAAAAAAAAAAABAnAAAQJwAAAAAAAAAAAAAAAAAAAAAAAAAAAAAAAAAAAAAAAAAAAAAUAAAAAAAAAMDA/wAAAAAAZAAAADIAAAAAAAAAZAAAAAAAAAB/f38ACgAAACIAAAAYAAAAAAAAAAAAAAAAAAAAAAAAAAAAAAAAAAAAJAAAACQAAAAAAAAABwAAAAAAAAAAAAAAAAAAAAAAAAAAAAAAAAAAAH9/fwAlAAAAWAAAAAAAAAAAAAAAAAAAAAAAAAAAAAAAAAAAAAAAAAAAAAAAAAAAAAAAAAAAAAAAPwAAAAAAAACghgEAAAAAAAAAAAAAAAAADAAAAAEAAAAAAAAAAAAAAAAAAAAfAAAAVAAAAE+BvQX///8BAAAAAAAAAAAAAAAAAAAAAAAAAAAAAAAAAAAAAAAAAAAAAAACf39/AO7s4QPMzMwAwMD/AH9/fwAAAAAAAAAAAAAAAAD///8AAAAAACEAAAAYAAAAFAAAAAAAAAD0GgAANBYAACgoAAAAAAAAJgAAAAgAAAD//////////w=="/>
                 </a:ext>
               </a:extLst>
             </p:cNvPicPr>
@@ -15553,7 +15731,7 @@
             <p:cNvSpPr>
               <a:extLst>
                 <a:ext uri="smNativeData">
-                  <pr:smNativeData xmlns:pr="smNativeData" xmlns="smNativeData" val="SMDATA_15_iunWYhMAAAAlAAAAZAAAAE0AAAAAkAAAAEgAAACQAAAASAAAAAAAAAAAAAAAAAAAAAEAAABQAAAAAAAAAAAA4D8AAAAAAADgPwAAAAAAAOA/AAAAAAAA4D8AAAAAAADgPwAAAAAAAOA/AAAAAAAA4D8AAAAAAADgPwAAAAAAAOA/AAAAAAAA4D8CAAAAjAAAAAAAAAAAAAAAT4G9DP///wgAAAAAAAAAAAAAAAAAAAAAAAAAAAAAAAAAAAAAZAAAAAEAAABAAAAAAAAAAAAAAAAAAAAAAAAAAAAAAAAAAAAAAAAAAAAAAAAAAAAAAAAAAAAAAAAAAAAAAAAAAAAAAAAAAAAAAAAAAAAAAAAAAAAAAAAAAAAAAAAAAAAAFAAAADwAAAAAAAAAAAAAAAAAAAAPAAAAAQAAACMAAAAjAAAAIwAAAB4AAAAAAAAAZAAAAGQAAAAAAAAAZAAAAGQAAAAVAAAAYAAAAAAAAAAAAAAADwAAACADAAAAAAAAAAAAAAEAAACgMgAAVgcAAKr4//8BAAAAf39/AAEAAABkAAAAAAAAABQAAABAHwAAAAAAACYAAAAAAAAAwOD//wAAAAAmAAAAZAAAABYAAABMAAAAAAAAAAAAAAAEAAAAAAAAAAEAAADu7OEKAAAAACgAAAAoAAAAZAAAAGQAAAAAAAAAzMzMAAAAAABQAAAAUAAAAGQAAABkAAAAAAAAABcAAAAUAAAAAAAAAAAAAAD/fwAA/38AAAAAAAAJAAAABAAAAPilzqseAAAAaAAAAAAAAAAAAAAAAAAAAAAAAAAAAAAAECcAABAnAAAAAAAAAAAAAAAAAAAAAAAAAAAAAAAAAAAAAAAAAAAAABQAAAAAAAAAwMD/AAAAAABkAAAAMgAAAAAAAABkAAAAAAAAAH9/fwAKAAAAIgAAABgAAAAAAAAAAAAAAAAAAAAAAAAAAAAAAAAAAAAkAAAAJAAAAAAAAAAHAAAAAAAAAAAAAAAAAAAAAAAAAAAAAAAAAAAAf39/ACUAAABYAAAAAAAAAAAAAAAAAAAAAAAAAAAAAAAAAAAAAAAAAAAAAAAAAAAAAAAAAAAAAAA/AAAAAAAAAKCGAQAAAAAAAAAAAAAAAAAMAAAAAQAAAAAAAAAAAAAAAAAAAB8AAABUAAAAT4G9Bf///wEAAAAAAAAAAAAAAAAAAAAAAAAAAAAAAAAAAAAAAAAAAAAAAAB/f38A7uzhA8zMzADAwP8Af39/AAAAAAAAAAAAAAAAAAAAAAAAAAAAIQAAABgAAAAUAAAAThIAAIMiAADPFQAAySQAAAAgAAAmAAAACAAAAP//////////"/>
+                  <pr:smNativeData xmlns:pr="smNativeData" xmlns="smNativeData" val="SMDATA_15_0rbXYhMAAAAlAAAAZAAAAE0AAAAAkAAAAEgAAACQAAAASAAAAAAAAAAAAAAAAAAAAAEAAABQAAAAAAAAAAAA4D8AAAAAAADgPwAAAAAAAOA/AAAAAAAA4D8AAAAAAADgPwAAAAAAAOA/AAAAAAAA4D8AAAAAAADgPwAAAAAAAOA/AAAAAAAA4D8CAAAAjAAAAAAAAAAAAAAAT4G9DP///wgAAAAAAAAAAAAAAAAAAAAAAAAAAAAAAAAAAAAAZAAAAAEAAABAAAAAAAAAAAAAAAAAAAAAAAAAAAAAAAAAAAAAAAAAAAAAAAAAAAAAAAAAAAAAAAAAAAAAAAAAAAAAAAAAAAAAAAAAAAAAAAAAAAAAAAAAAAAAAAAAAAAAFAAAADwAAAAAAAAAAAAAAAAAAAAPAAAAAQAAACMAAAAjAAAAIwAAAB4AAAAAAAAAZAAAAGQAAAAAAAAAZAAAAGQAAAAVAAAAYAAAAAAAAAAAAAAADwAAACADAAAAAAAAAAAAAAEAAACgMgAAVgcAAKr4//8BAAAAf39/AAEAAABkAAAAAAAAABQAAABAHwAAAAAAACYAAAAAAAAAwOD//wAAAAAmAAAAZAAAABYAAABMAAAAAAAAAAAAAAAEAAAAAAAAAAEAAADu7OEKAAAAACgAAAAoAAAAZAAAAGQAAAAAAAAAzMzMAAAAAABQAAAAUAAAAGQAAABkAAAAAAAAABcAAAAUAAAAAAAAAAAAAAD/fwAA/38AAAAAAAAJAAAABAAAAPilzqseAAAAaAAAAAAAAAAAAAAAAAAAAAAAAAAAAAAAECcAABAnAAAAAAAAAAAAAAAAAAAAAAAAAAAAAAAAAAAAAAAAAAAAABQAAAAAAAAAwMD/AAAAAABkAAAAMgAAAAAAAABkAAAAAAAAAH9/fwAKAAAAIgAAABgAAAAAAAAAAAAAAAAAAAAAAAAAAAAAAAAAAAAkAAAAJAAAAAAAAAAHAAAAAAAAAAAAAAAAAAAAAAAAAAAAAAAAAAAAf39/ACUAAABYAAAAAAAAAAAAAAAAAAAAAAAAAAAAAAAAAAAAAAAAAAAAAAAAAAAAAAAAAAAAAAA/AAAAAAAAAKCGAQAAAAAAAAAAAAAAAAAMAAAAAQAAAAAAAAAAAAAAAAAAAB8AAABUAAAAT4G9Bf///wEAAAAAAAAAAAAAAAAAAAAAAAAAAAAAAAAAAAAAAAAAAAAAAAB/f38A7uzhA8zMzADAwP8Af39/AAAAAAAAAAAAAAAAAAAAAAAAAAAAIQAAABgAAAAUAAAAThIAAIMiAADPFQAAySQAAAAgAAAmAAAACAAAAP//////////"/>
                 </a:ext>
               </a:extLst>
             </p:cNvSpPr>
@@ -15593,7 +15771,7 @@
           <p:cNvGrpSpPr>
             <a:extLst>
               <a:ext uri="smNativeData">
-                <pr:smNativeData xmlns:pr="smNativeData" xmlns="smNativeData" val="SMDATA_6_iunWYhMAAAAlAAAAAQAAAA8BAAAAkAAAAEgAAACQAAAASAAAAAAAAAAAAAAAAAAAABcAAAAUAAAAAAAAAAAAAAD/fwAA/38AAAAAAAAJAAAABAAAAAAAAAAfAAAAVAAAAAAAAAAAAAAAAAAAAAAAAAAAAAAAAAAAAAAAAAAAAAAAAAAAAAAAAAAAAAAAAAAAAAAAAAAAAAAAAAAAAAAAAAAAAAAAAAAAAAAAAAAAAAAAAAAAACEAAAAYAAAAFAAAABMdAABYGwAA8TIAAMUnAAAQAAAAJgAAAAgAAAD/////AAAAAA=="/>
+                <pr:smNativeData xmlns:pr="smNativeData" xmlns="smNativeData" val="SMDATA_6_0rbXYhMAAAAlAAAAAQAAAA8BAAAAkAAAAEgAAACQAAAASAAAAAAAAAAAAAAAAAAAABcAAAAUAAAAAAAAAAAAAAD/fwAA/38AAAAAAAAJAAAABAAAAAAAAAAfAAAAVAAAAAAAAAAAAAAAAAAAAAAAAAAAAAAAAAAAAAAAAAAAAAAAAAAAAAAAAAAAAAAAAAAAAAAAAAAAAAAAAAAAAAAAAAAAAAAAAAAAAAAAAAAAAAAAAAAAACEAAAAYAAAAFAAAABMdAABYGwAA8TIAAMUnAAAQAAAAJgAAAAgAAAD/////AAAAAA=="/>
               </a:ext>
             </a:extLst>
           </p:cNvGrpSpPr>
@@ -15614,7 +15792,7 @@
               <a:picLocks noChangeAspect="1"/>
               <a:extLst>
                 <a:ext uri="smNativeData">
-                  <pr:smNativeData xmlns:pr="smNativeData" xmlns="smNativeData" val="SMDATA_17_iunWYhMAAAAlAAAAEQAAAC0AAAAAkAAAAEgAAACQAAAASAAAAAAAAAAAAAAAAAAAAAEAAABQAAAAAAAAAAAA4D8AAAAAAADgPwAAAAAAAOA/AAAAAAAA4D8AAAAAAADgPwAAAAAAAOA/AAAAAAAA4D8AAAAAAADgPwAAAAAAAOA/AAAAAAAA4D8CAAAAjAAAAAAAAAAAAAAAT4G9DP///wgAAAAAAAAAAAAAAAAAAAAAAAAAAAAAAAAAAAAAZAAAAAEAAABAAAAAAAAAAAAAAAAAAAAAAAAAAAAAAAAAAAAAAAAAAAAAAAAAAAAAAAAAAAAAAAAAAAAAAAAAAAAAAAAAAAAAAAAAAAAAAAAAAAAAAAAAAAAAAAAAAAAAFAAAADwAAAAAAAAAAAAAAAAAAAkUAAAAAQAAABQAAAAUAAAAFAAAAAEAAAAAAAAAZAAAAGQAAAAAAAAAZAAAAGQAAAAVAAAAYAAAAAAAAAAAAAAADwAAACADAAAAAAAAAAAAAAEAAACgMgAAVgcAAKr4//8BAAAAf39/AAEAAABkAAAAAAAAABQAAABAHwAAAAAAACYAAAAAAAAAwOD//wAAAAAmAAAAZAAAABYAAABMAAAAAAAAAAAAAAAEAAAAAAAAAAEAAADu7OEKAAAAACgAAAAoAAAAZAAAAGQAAAAAAAAAzMzMAAAAAABQAAAAUAAAAGQAAABkAAAAAAAAAAcAAAA4AAAAAAAAAAAAAAAAAAAA////AAAAAAAAAAAAAAAAAIoCAAAAAAAAbhMAAAAAAABkAAAAZAAAAAAAAAAjAAAABAAAAGQAAAAXAAAAFAAAAAAAAAAAAAAA/38AAP9/AAAAAAAACQAAAAQAAABo08erHgAAAGgAAAAAAAAAAAAAAAAAAAAAAAAAAAAAABAnAAAQJwAAAAAAAAAAAAAAAAAAAAAAAAAAAAAAAAAAAAAAAAAAAAAUAAAAAAAAAMDA/wAAAAAAZAAAADIAAAAAAAAAZAAAAAAAAAB/f38ACgAAACIAAAAYAAAAAAAAAAAAAAAAAAAAAAAAAAAAAAAAAAAAJAAAACQAAAAAAAAABwAAAAAAAAAAAAAAAAAAAAAAAAAAAAAAAAAAAH9/fwAlAAAAWAAAAAAAAAAAAAAAAAAAAAAAAAAAAAAAAAAAAAAAAAAAAAAAAAAAAAAAAAAAAAAAPwAAAAAAAACghgEAAAAAAAAAAAAAAAAADAAAAAEAAAAAAAAAAAAAAAAAAAAfAAAAVAAAAE+BvQX///8BAAAAAAAAAAAAAAAAAAAAAAAAAAAAAAAAAAAAAAAAAAAAAAACf39/AO7s4QPMzMwAwMD/AH9/fwAAAAAAAAAAAAAAAAD///8AAAAAACEAAAAYAAAAFAAAABMdAABYGwAA3DIAAMUnAAAAAAAAJgAAAAgAAAD//////////w=="/>
+                  <pr:smNativeData xmlns:pr="smNativeData" xmlns="smNativeData" val="SMDATA_17_0rbXYhMAAAAlAAAAEQAAAC0AAAAAkAAAAEgAAACQAAAASAAAAAAAAAAAAAAAAAAAAAEAAABQAAAAAAAAAAAA4D8AAAAAAADgPwAAAAAAAOA/AAAAAAAA4D8AAAAAAADgPwAAAAAAAOA/AAAAAAAA4D8AAAAAAADgPwAAAAAAAOA/AAAAAAAA4D8CAAAAjAAAAAAAAAAAAAAAT4G9DP///wgAAAAAAAAAAAAAAAAAAAAAAAAAAAAAAAAAAAAAZAAAAAEAAABAAAAAAAAAAAAAAAAAAAAAAAAAAAAAAAAAAAAAAAAAAAAAAAAAAAAAAAAAAAAAAAAAAAAAAAAAAAAAAAAAAAAAAAAAAAAAAAAAAAAAAAAAAAAAAAAAAAAAFAAAADwAAAAAAAAAAAAAAAAAAAkUAAAAAQAAABQAAAAUAAAAFAAAAAEAAAAAAAAAZAAAAGQAAAAAAAAAZAAAAGQAAAAVAAAAYAAAAAAAAAAAAAAADwAAACADAAAAAAAAAAAAAAEAAACgMgAAVgcAAKr4//8BAAAAf39/AAEAAABkAAAAAAAAABQAAABAHwAAAAAAACYAAAAAAAAAwOD//wAAAAAmAAAAZAAAABYAAABMAAAAAAAAAAAAAAAEAAAAAAAAAAEAAADu7OEKAAAAACgAAAAoAAAAZAAAAGQAAAAAAAAAzMzMAAAAAABQAAAAUAAAAGQAAABkAAAAAAAAAAcAAAA4AAAAAAAAAAAAAAAAAAAA////AAAAAAAAAAAAAAAAAIoCAAAAAAAAbhMAAAAAAABkAAAAZAAAAAAAAAAjAAAABAAAAGQAAAAXAAAAFAAAAAAAAAAAAAAA/38AAP9/AAAAAAAACQAAAAQAAABo08erHgAAAGgAAAAAAAAAAAAAAAAAAAAAAAAAAAAAABAnAAAQJwAAAAAAAAAAAAAAAAAAAAAAAAAAAAAAAAAAAAAAAAAAAAAUAAAAAAAAAMDA/wAAAAAAZAAAADIAAAAAAAAAZAAAAAAAAAB/f38ACgAAACIAAAAYAAAAAAAAAAAAAAAAAAAAAAAAAAAAAAAAAAAAJAAAACQAAAAAAAAABwAAAAAAAAAAAAAAAAAAAAAAAAAAAAAAAAAAAH9/fwAlAAAAWAAAAAAAAAAAAAAAAAAAAAAAAAAAAAAAAAAAAAAAAAAAAAAAAAAAAAAAAAAAAAAAPwAAAAAAAACghgEAAAAAAAAAAAAAAAAADAAAAAEAAAAAAAAAAAAAAAAAAAAfAAAAVAAAAE+BvQX///8BAAAAAAAAAAAAAAAAAAAAAAAAAAAAAAAAAAAAAAAAAAAAAAACf39/AO7s4QPMzMwAwMD/AH9/fwAAAAAAAAAAAAAAAAD///8AAAAAACEAAAAYAAAAFAAAABMdAABYGwAA3DIAAMUnAAAAAAAAJgAAAAgAAAD//////////w=="/>
                 </a:ext>
               </a:extLst>
             </p:cNvPicPr>
@@ -15648,7 +15826,7 @@
             <p:cNvSpPr>
               <a:extLst>
                 <a:ext uri="smNativeData">
-                  <pr:smNativeData xmlns:pr="smNativeData" xmlns="smNativeData" val="SMDATA_15_iunWYhMAAAAlAAAAZAAAAE0AAAAAkAAAAEgAAACQAAAASAAAAAAAAAAAAAAAAAAAAAEAAABQAAAAAAAAAAAA4D8AAAAAAADgPwAAAAAAAOA/AAAAAAAA4D8AAAAAAADgPwAAAAAAAOA/AAAAAAAA4D8AAAAAAADgPwAAAAAAAOA/AAAAAAAA4D8CAAAAjAAAAAAAAAAAAAAAT4G9DP///wgAAAAAAAAAAAAAAAAAAAAAAAAAAAAAAAAAAAAAZAAAAAEAAABAAAAAAAAAAAAAAAAAAAAAAAAAAAAAAAAAAAAAAAAAAAAAAAAAAAAAAAAAAAAAAAAAAAAAAAAAAAAAAAAAAAAAAAAAAAAAAAAAAAAAAAAAAAAAAAAAAAAAFAAAADwAAAAAAAAAAAAAAAAAAAAPAAAAAQAAACMAAAAjAAAAIwAAAB4AAAAAAAAAZAAAAGQAAAAAAAAAZAAAAGQAAAAVAAAAYAAAAAAAAAAAAAAADwAAACADAAAAAAAAAAAAAAEAAACgMgAAVgcAAKr4//8BAAAAf39/AAEAAABkAAAAAAAAABQAAABAHwAAAAAAACYAAAAAAAAAwOD//wAAAAAmAAAAZAAAABYAAABMAAAAAAAAAAAAAAAEAAAAAAAAAAEAAADu7OEKAAAAACgAAAAoAAAAZAAAAGQAAAAAAAAAzMzMAAAAAABQAAAAUAAAAGQAAABkAAAAAAAAABcAAAAUAAAAAAAAAAAAAAD/fwAA/38AAAAAAAAJAAAABAAAAEiCwKseAAAAaAAAAAAAAAAAAAAAAAAAAAAAAAAAAAAAECcAABAnAAAAAAAAAAAAAAAAAAAAAAAAAAAAAAAAAAAAAAAAAAAAABQAAAAAAAAAwMD/AAAAAABkAAAAMgAAAAAAAABkAAAAAAAAAH9/fwAKAAAAIgAAABgAAAAAAAAAAAAAAAAAAAAAAAAAAAAAAAAAAAAkAAAAJAAAAAAAAAAHAAAAAAAAAAAAAAAAAAAAAAAAAAAAAAAAAAAAf39/ACUAAABYAAAAAAAAAAAAAAAAAAAAAAAAAAAAAAAAAAAAAAAAAAAAAAAAAAAAAAAAAAAAAAA/AAAAAAAAAKCGAQAAAAAAAAAAAAAAAAAMAAAAAQAAAAAAAAAAAAAAAAAAAB8AAABUAAAAT4G9Bf///wEAAAAAAAAAAAAAAAAAAAAAAAAAAAAAAAAAAAAAAAAAAAAAAAB/f38A7uzhA8zMzADAwP8Af39/AAAAAAAAAAAAAAAAAAAAAAAAAAAAIQAAABgAAAAUAAAARS8AAMsiAADxMgAAECUAAAAgAAAmAAAACAAAAP//////////"/>
+                  <pr:smNativeData xmlns:pr="smNativeData" xmlns="smNativeData" val="SMDATA_15_0rbXYhMAAAAlAAAAZAAAAE0AAAAAkAAAAEgAAACQAAAASAAAAAAAAAAAAAAAAAAAAAEAAABQAAAAAAAAAAAA4D8AAAAAAADgPwAAAAAAAOA/AAAAAAAA4D8AAAAAAADgPwAAAAAAAOA/AAAAAAAA4D8AAAAAAADgPwAAAAAAAOA/AAAAAAAA4D8CAAAAjAAAAAAAAAAAAAAAT4G9DP///wgAAAAAAAAAAAAAAAAAAAAAAAAAAAAAAAAAAAAAZAAAAAEAAABAAAAAAAAAAAAAAAAAAAAAAAAAAAAAAAAAAAAAAAAAAAAAAAAAAAAAAAAAAAAAAAAAAAAAAAAAAAAAAAAAAAAAAAAAAAAAAAAAAAAAAAAAAAAAAAAAAAAAFAAAADwAAAAAAAAAAAAAAAAAAAAPAAAAAQAAACMAAAAjAAAAIwAAAB4AAAAAAAAAZAAAAGQAAAAAAAAAZAAAAGQAAAAVAAAAYAAAAAAAAAAAAAAADwAAACADAAAAAAAAAAAAAAEAAACgMgAAVgcAAKr4//8BAAAAf39/AAEAAABkAAAAAAAAABQAAABAHwAAAAAAACYAAAAAAAAAwOD//wAAAAAmAAAAZAAAABYAAABMAAAAAAAAAAAAAAAEAAAAAAAAAAEAAADu7OEKAAAAACgAAAAoAAAAZAAAAGQAAAAAAAAAzMzMAAAAAABQAAAAUAAAAGQAAABkAAAAAAAAABcAAAAUAAAAAAAAAAAAAAD/fwAA/38AAAAAAAAJAAAABAAAAEiCwKseAAAAaAAAAAAAAAAAAAAAAAAAAAAAAAAAAAAAECcAABAnAAAAAAAAAAAAAAAAAAAAAAAAAAAAAAAAAAAAAAAAAAAAABQAAAAAAAAAwMD/AAAAAABkAAAAMgAAAAAAAABkAAAAAAAAAH9/fwAKAAAAIgAAABgAAAAAAAAAAAAAAAAAAAAAAAAAAAAAAAAAAAAkAAAAJAAAAAAAAAAHAAAAAAAAAAAAAAAAAAAAAAAAAAAAAAAAAAAAf39/ACUAAABYAAAAAAAAAAAAAAAAAAAAAAAAAAAAAAAAAAAAAAAAAAAAAAAAAAAAAAAAAAAAAAA/AAAAAAAAAKCGAQAAAAAAAAAAAAAAAAAMAAAAAQAAAAAAAAAAAAAAAAAAAB8AAABUAAAAT4G9Bf///wEAAAAAAAAAAAAAAAAAAAAAAAAAAAAAAAAAAAAAAAAAAAAAAAB/f38A7uzhA8zMzADAwP8Af39/AAAAAAAAAAAAAAAAAAAAAAAAAAAAIQAAABgAAAAUAAAARS8AAMsiAADxMgAAECUAAAAgAAAmAAAACAAAAP//////////"/>
                 </a:ext>
               </a:extLst>
             </p:cNvSpPr>
@@ -15689,7 +15867,7 @@
             <a:spLocks noGrp="1" noChangeArrowheads="1"/>
             <a:extLst>
               <a:ext uri="smNativeData">
-                <pr:smNativeData xmlns:pr="smNativeData" xmlns="smNativeData" val="SMDATA_15_iunWYhMAAAAlAAAAZAAAAA0AAAAAkAAAAEgAAACQAAAASAAAAAAAAAABAAAAAAAAAAEAAABQAAAAAAAAAAAA4D8AAAAAAADgPwAAAAAAAOA/AAAAAAAA4D8AAAAAAADgPwAAAAAAAOA/AAAAAAAA4D8AAAAAAADgPwAAAAAAAOA/AAAAAAAA4D8CAAAAjAAAAAAAAAAAAAAAT4G9DP///wgAAAAAAAAAAAAAAAAAAAAAAAAAAAAAAAAAAAAAZAAAAAEAAABAAAAAAAAAAAAAAAAAAAAAAAAAAAAAAAAAAAAAAAAAAAAAAAAAAAAAAAAAAAAAAAAAAAAAAAAAAAAAAAAAAAAAAAAAAAAAAAAAAAAAAAAAAAAAAAAAAAAAFAAAADwAAAAAAAAAAAAAAAAAAAkUAAAAAQAAABQAAAAUAAAAFAAAAAEAAAAAAAAAZAAAAGQAAAAAAAAAZAAAAGQAAAAVAAAAYAAAAAAAAAAAAAAADwAAACADAAAAAAAAAAAAAAEAAACgMgAAVgcAAKr4//8BAAAAf39/AAEAAABkAAAAAAAAABQAAABAHwAAAAAAACYAAAAAAAAAwOD//wAAAAAmAAAAZAAAABYAAABMAAAAAAAAAAAAAAAEAAAAAAAAAAEAAADu7OEKAAAAACgAAAAoAAAAZAAAAGQAAAAAAAAAzMzMAAAAAABQAAAAUAAAAGQAAABkAAAAAAAAABcAAAAUAAAAAAAAAAAAAAD/fwAA/38AAAAAAAAJAAAABAAAAAAAAAAeAAAAaAAAAAAAAAAAAAAAAAAAAAAAAAAAAAAAECcAABAnAAAAAAAAAAAAAAAAAAAAAAAAAAAAAAAAAAAAAAAAAAAAABQAAAAAAAAAwMD/AAAAAABkAAAAMgAAAAAAAABkAAAAAAAAAH9/fwAKAAAAIgAAABgAAAAAAAAAAAAAAAAAAAAAAAAAAAAAAAAAAAAkAAAAJAAAAAAAAAAHAAAAAAAAAAAAAAAAAAAAAAAAAAAAAAAAAAAAf39/ACUAAABYAAAAAAAAAAAAAAAAAAAAAAAAAAAAAAAAAAAAAAAAAAAAAAAAAAAAAAAAAAAAAAA/AAAAAAAAAKCGAQAAAAAAAAAAAAAAAAAMAAAAAQAAAAAAAAAAAAAAAAAAAB8AAABUAAAAT4G9Bf///wEAAAAAAAAAAAAAAAAAAAAAAAAAAAAAAAAAAAAAAAAAAAAAAAJ/f38A7uzhA8zMzADAwP8Af39/AAAAAAAAAAAAAAAAAAAAAAAAAAAAIQAAABgAAAAUAAAAAAAAAFz+//9AOAAAXAMAABAAAAAmAAAACAAAAAEgAAAAAAAA"/>
+                <pr:smNativeData xmlns:pr="smNativeData" xmlns="smNativeData" val="SMDATA_15_0rbXYhMAAAAlAAAAZAAAAA0AAAAAkAAAAEgAAACQAAAASAAAAAAAAAABAAAAAAAAAAEAAABQAAAAAAAAAAAA4D8AAAAAAADgPwAAAAAAAOA/AAAAAAAA4D8AAAAAAADgPwAAAAAAAOA/AAAAAAAA4D8AAAAAAADgPwAAAAAAAOA/AAAAAAAA4D8CAAAAjAAAAAAAAAAAAAAAT4G9DP///wgAAAAAAAAAAAAAAAAAAAAAAAAAAAAAAAAAAAAAZAAAAAEAAABAAAAAAAAAAAAAAAAAAAAAAAAAAAAAAAAAAAAAAAAAAAAAAAAAAAAAAAAAAAAAAAAAAAAAAAAAAAAAAAAAAAAAAAAAAAAAAAAAAAAAAAAAAAAAAAAAAAAAFAAAADwAAAAAAAAAAAAAAAAAAAkUAAAAAQAAABQAAAAUAAAAFAAAAAEAAAAAAAAAZAAAAGQAAAAAAAAAZAAAAGQAAAAVAAAAYAAAAAAAAAAAAAAADwAAACADAAAAAAAAAAAAAAEAAACgMgAAVgcAAKr4//8BAAAAf39/AAEAAABkAAAAAAAAABQAAABAHwAAAAAAACYAAAAAAAAAwOD//wAAAAAmAAAAZAAAABYAAABMAAAAAAAAAAAAAAAEAAAAAAAAAAEAAADu7OEKAAAAACgAAAAoAAAAZAAAAGQAAAAAAAAAzMzMAAAAAABQAAAAUAAAAGQAAABkAAAAAAAAABcAAAAUAAAAAAAAAAAAAAD/fwAA/38AAAAAAAAJAAAABAAAAAAAAAAeAAAAaAAAAAAAAAAAAAAAAAAAAAAAAAAAAAAAECcAABAnAAAAAAAAAAAAAAAAAAAAAAAAAAAAAAAAAAAAAAAAAAAAABQAAAAAAAAAwMD/AAAAAABkAAAAMgAAAAAAAABkAAAAAAAAAH9/fwAKAAAAIgAAABgAAAAAAAAAAAAAAAAAAAAAAAAAAAAAAAAAAAAkAAAAJAAAAAAAAAAHAAAAAAAAAAAAAAAAAAAAAAAAAAAAAAAAAAAAf39/ACUAAABYAAAAAAAAAAAAAAAAAAAAAAAAAAAAAAAAAAAAAAAAAAAAAAAAAAAAAAAAAAAAAAA/AAAAAAAAAKCGAQAAAAAAAAAAAAAAAAAMAAAAAQAAAAAAAAAAAAAAAAAAAB8AAABUAAAAT4G9Bf///wEAAAAAAAAAAAAAAAAAAAAAAAAAAAAAAAAAAAAAAAAAAAAAAAJ/f38A7uzhA8zMzADAwP8Af39/AAAAAAAAAAAAAAAAAAAAAAAAAAAAIQAAABgAAAAUAAAAAAAAAFz+//9AOAAAXAMAABAAAAAmAAAACAAAAAEgAAAAAAAA"/>
               </a:ext>
             </a:extLst>
           </p:cNvSpPr>
@@ -15737,7 +15915,7 @@
 </p:sld>
 </file>
 
-<file path=ppt/slides/slide46.xml><?xml version="1.0" encoding="utf-8"?>
+<file path=ppt/slides/slide47.xml><?xml version="1.0" encoding="utf-8"?>
 <p:sld xmlns:p="http://schemas.openxmlformats.org/presentationml/2006/main" xmlns:mc="http://schemas.openxmlformats.org/markup-compatibility/2006" xmlns:p14="http://schemas.microsoft.com/office/powerpoint/2010/main" xmlns:p15="http://schemas.microsoft.com/office/powerpoint/2012/main" xmlns:r="http://schemas.openxmlformats.org/officeDocument/2006/relationships" xmlns:a="http://schemas.openxmlformats.org/drawingml/2006/main" mc:Ignorable="p14" show="0">
   <p:cSld>
     <p:spTree>
@@ -15761,7 +15939,7 @@
             <a:spLocks noGrp="1" noChangeArrowheads="1"/>
             <a:extLst>
               <a:ext uri="smNativeData">
-                <pr:smNativeData xmlns:pr="smNativeData" xmlns="smNativeData" val="SMDATA_15_iunWYhMAAAAlAAAAZAAAAA0AAAAAkAAAAEgAAACQAAAASAAAAAAAAAABAAAAAAAAAAEAAABQAAAAAAAAAAAA4D8AAAAAAADgPwAAAAAAAOA/AAAAAAAA4D8AAAAAAADgPwAAAAAAAOA/AAAAAAAA4D8AAAAAAADgPwAAAAAAAOA/AAAAAAAA4D8CAAAAjAAAAAAAAAAAAAAAT4G9DP///wgAAAAAAAAAAAAAAAAAAAAAAAAAAAAAAAAAAAAAZAAAAAEAAABAAAAAAAAAAAAAAAAAAAAAAAAAAAAAAAAAAAAAAAAAAAAAAAAAAAAAAAAAAAAAAAAAAAAAAAAAAAAAAAAAAAAAAAAAAAAAAAAAAAAAAAAAAAAAAAAAAAAAFAAAADwAAAAAAAAAAAAAAAAAAAkUAAAAAQAAABQAAAAUAAAAFAAAAAEAAAAAAAAAZAAAAGQAAAAAAAAAZAAAAGQAAAAVAAAAYAAAAAAAAAAAAAAADwAAACADAAAAAAAAAAAAAAEAAACgMgAAVgcAAKr4//8BAAAAf39/AAEAAABkAAAAAAAAABQAAABAHwAAAAAAACYAAAAAAAAAwOD//wAAAAAmAAAAZAAAABYAAABMAAAAAAAAAAAAAAAEAAAAAAAAAAEAAADu7OEKAAAAACgAAAAoAAAAZAAAAGQAAAAAAAAAzMzMAAAAAABQAAAAUAAAAGQAAABkAAAAAAAAABcAAAAUAAAAAAAAAAAAAAD/fwAA/38AAAAAAAAJAAAABAAAAEFCZ0EeAAAAaAAAAAAAAAAAAAAAAAAAAAAAAAAAAAAAECcAABAnAAAAAAAAAAAAAAAAAAAAAAAAAAAAAAAAAAAAAAAAAAAAABQAAAAAAAAAwMD/AAAAAABkAAAAMgAAAAAAAABkAAAAAAAAAH9/fwAKAAAAIgAAABgAAAAAAAAAAAAAAAAAAAAAAAAAAAAAAAAAAAAkAAAAJAAAAAAAAAAHAAAAAAAAAAAAAAAAAAAAAAAAAAAAAAAAAAAAf39/ACUAAABYAAAAAAAAAAAAAAAAAAAAAAAAAAAAAAAAAAAAAAAAAAAAAAAAAAAAAAAAAAAAAAA/AAAAAAAAAKCGAQAAAAAAAAAAAAAAAAAMAAAAAQAAAAAAAAAAAAAAAAAAAB8AAABUAAAAT4G9Bf///wEAAAAAAAAAAAAAAAAAAAAAAAAAAAAAAAAAAAAAAAAAAAAAAAJ/f38A7uzhA8zMzADAwP8Af39/AAAAAAAAAAAAAAAAAAAAAAAAAAAAIQAAABgAAAAUAAAA0AIAALEBAABwNQAAuQgAABAAAAAmAAAACAAAAAAAAAAAAAAA"/>
+                <pr:smNativeData xmlns:pr="smNativeData" xmlns="smNativeData" val="SMDATA_15_0rbXYhMAAAAlAAAAZAAAAA0AAAAAkAAAAEgAAACQAAAASAAAAAAAAAABAAAAAAAAAAEAAABQAAAAAAAAAAAA4D8AAAAAAADgPwAAAAAAAOA/AAAAAAAA4D8AAAAAAADgPwAAAAAAAOA/AAAAAAAA4D8AAAAAAADgPwAAAAAAAOA/AAAAAAAA4D8CAAAAjAAAAAAAAAAAAAAAT4G9DP///wgAAAAAAAAAAAAAAAAAAAAAAAAAAAAAAAAAAAAAZAAAAAEAAABAAAAAAAAAAAAAAAAAAAAAAAAAAAAAAAAAAAAAAAAAAAAAAAAAAAAAAAAAAAAAAAAAAAAAAAAAAAAAAAAAAAAAAAAAAAAAAAAAAAAAAAAAAAAAAAAAAAAAFAAAADwAAAAAAAAAAAAAAAAAAAkUAAAAAQAAABQAAAAUAAAAFAAAAAEAAAAAAAAAZAAAAGQAAAAAAAAAZAAAAGQAAAAVAAAAYAAAAAAAAAAAAAAADwAAACADAAAAAAAAAAAAAAEAAACgMgAAVgcAAKr4//8BAAAAf39/AAEAAABkAAAAAAAAABQAAABAHwAAAAAAACYAAAAAAAAAwOD//wAAAAAmAAAAZAAAABYAAABMAAAAAAAAAAAAAAAEAAAAAAAAAAEAAADu7OEKAAAAACgAAAAoAAAAZAAAAGQAAAAAAAAAzMzMAAAAAABQAAAAUAAAAGQAAABkAAAAAAAAABcAAAAUAAAAAAAAAAAAAAD/fwAA/38AAAAAAAAJAAAABAAAAEFCZ0EeAAAAaAAAAAAAAAAAAAAAAAAAAAAAAAAAAAAAECcAABAnAAAAAAAAAAAAAAAAAAAAAAAAAAAAAAAAAAAAAAAAAAAAABQAAAAAAAAAwMD/AAAAAABkAAAAMgAAAAAAAABkAAAAAAAAAH9/fwAKAAAAIgAAABgAAAAAAAAAAAAAAAAAAAAAAAAAAAAAAAAAAAAkAAAAJAAAAAAAAAAHAAAAAAAAAAAAAAAAAAAAAAAAAAAAAAAAAAAAf39/ACUAAABYAAAAAAAAAAAAAAAAAAAAAAAAAAAAAAAAAAAAAAAAAAAAAAAAAAAAAAAAAAAAAAA/AAAAAAAAAKCGAQAAAAAAAAAAAAAAAAAMAAAAAQAAAAAAAAAAAAAAAAAAAB8AAABUAAAAT4G9Bf///wEAAAAAAAAAAAAAAAAAAAAAAAAAAAAAAAAAAAAAAAAAAAAAAAJ/f38A7uzhA8zMzADAwP8Af39/AAAAAAAAAAAAAAAAAAAAAAAAAAAAIQAAABgAAAAUAAAA0AIAALEBAABwNQAAuQgAABAAAAAmAAAACAAAAAAAAAAAAAAA"/>
               </a:ext>
             </a:extLst>
           </p:cNvSpPr>
@@ -15790,7 +15968,7 @@
             <a:spLocks noGrp="1" noChangeArrowheads="1"/>
             <a:extLst>
               <a:ext uri="smNativeData">
-                <pr:smNativeData xmlns:pr="smNativeData" xmlns="smNativeData" val="SMDATA_15_iunWYhMAAAAlAAAAZAAAAA0AAAAAkAAAAEgAAACQAAAASAAAAAAAAAAAAAAAAAAAAAEAAABQAAAAAAAAAAAA4D8AAAAAAADgPwAAAAAAAOA/AAAAAAAA4D8AAAAAAADgPwAAAAAAAOA/AAAAAAAA4D8AAAAAAADgPwAAAAAAAOA/AAAAAAAA4D8CAAAAjAAAAAAAAAAAAAAAT4G9DP///wgAAAAAAAAAAAAAAAAAAAAAAAAAAAAAAAAAAAAAZAAAAAEAAABAAAAAAAAAAAAAAAAAAAAAAAAAAAAAAAAAAAAAAAAAAAAAAAAAAAAAAAAAAAAAAAAAAAAAAAAAAAAAAAAAAAAAAAAAAAAAAAAAAAAAAAAAAAAAAAAAAAAAFAAAADwAAAAAAAAAAAAAAAAAAAkUAAAAAQAAABQAAAAUAAAAFAAAAAEAAAAAAAAAZAAAAGQAAAAAAAAAZAAAAGQAAAAVAAAAYAAAAAAAAAAAAAAADwAAACADAAAAAAAAAAAAAAEAAACgMgAAVgcAAKr4//8BAAAAf39/AAEAAABkAAAAAAAAABQAAABAHwAAAAAAACYAAAAAAAAAwOD//wAAAAAmAAAAZAAAABYAAABMAAAAAAAAAAAAAAAEAAAAAAAAAAEAAADu7OEKAAAAACgAAAAoAAAAZAAAAGQAAAAAAAAAzMzMAAAAAABQAAAAUAAAAGQAAABkAAAAAAAAABcAAAAUAAAAAAAAAAAAAAD/fwAA/38AAAAAAAAJAAAABAAAAIhXzAIeAAAAaAAAAAAAAAAAAAAAAAAAAAAAAAAAAAAAECcAABAnAAAAAAAAAAAAAAAAAAAAAAAAAAAAAAAAAAAAAAAAAAAAABQAAAAAAAAAwMD/AAAAAABkAAAAMgAAAAAAAABkAAAAAAAAAH9/fwAKAAAAIgAAABgAAAAAAAAAAAAAAAAAAAAAAAAAAAAAAAAAAAAkAAAAJAAAAAAAAAAHAAAAAAAAAAAAAAAAAAAAAAAAAAAAAAAAAAAAf39/ACUAAABYAAAAAAAAAAAAAAAAAAAAAAAAAAAAAAAAAAAAAAAAAAAAAAAAAAAAAAAAAAAAAAA/AAAAAAAAAKCGAQAAAAAAAAAAAAAAAAAMAAAAAQAAAAAAAAAAAAAAAAAAAB8AAABUAAAAT4G9Bf///wEAAAAAAAAAAAAAAAAAAAAAAAAAAAAAAAAAAAAAAAAAAAAAAAJ/f38A7uzhA8zMzADAwP8Af39/AAAAAAAAAAAAAAAAAAAAAAAAAAAAIQAAABgAAAAUAAAA0AIAANgJAABwNQAAKCgAABAAAAAmAAAACAAAAAEgAAAAAAAA"/>
+                <pr:smNativeData xmlns:pr="smNativeData" xmlns="smNativeData" val="SMDATA_15_0rbXYhMAAAAlAAAAZAAAAA0AAAAAkAAAAEgAAACQAAAASAAAAAAAAAAAAAAAAAAAAAEAAABQAAAAAAAAAAAA4D8AAAAAAADgPwAAAAAAAOA/AAAAAAAA4D8AAAAAAADgPwAAAAAAAOA/AAAAAAAA4D8AAAAAAADgPwAAAAAAAOA/AAAAAAAA4D8CAAAAjAAAAAAAAAAAAAAAT4G9DP///wgAAAAAAAAAAAAAAAAAAAAAAAAAAAAAAAAAAAAAZAAAAAEAAABAAAAAAAAAAAAAAAAAAAAAAAAAAAAAAAAAAAAAAAAAAAAAAAAAAAAAAAAAAAAAAAAAAAAAAAAAAAAAAAAAAAAAAAAAAAAAAAAAAAAAAAAAAAAAAAAAAAAAFAAAADwAAAAAAAAAAAAAAAAAAAkUAAAAAQAAABQAAAAUAAAAFAAAAAEAAAAAAAAAZAAAAGQAAAAAAAAAZAAAAGQAAAAVAAAAYAAAAAAAAAAAAAAADwAAACADAAAAAAAAAAAAAAEAAACgMgAAVgcAAKr4//8BAAAAf39/AAEAAABkAAAAAAAAABQAAABAHwAAAAAAACYAAAAAAAAAwOD//wAAAAAmAAAAZAAAABYAAABMAAAAAAAAAAAAAAAEAAAAAAAAAAEAAADu7OEKAAAAACgAAAAoAAAAZAAAAGQAAAAAAAAAzMzMAAAAAABQAAAAUAAAAGQAAABkAAAAAAAAABcAAAAUAAAAAAAAAAAAAAD/fwAA/38AAAAAAAAJAAAABAAAAIhXzAIeAAAAaAAAAAAAAAAAAAAAAAAAAAAAAAAAAAAAECcAABAnAAAAAAAAAAAAAAAAAAAAAAAAAAAAAAAAAAAAAAAAAAAAABQAAAAAAAAAwMD/AAAAAABkAAAAMgAAAAAAAABkAAAAAAAAAH9/fwAKAAAAIgAAABgAAAAAAAAAAAAAAAAAAAAAAAAAAAAAAAAAAAAkAAAAJAAAAAAAAAAHAAAAAAAAAAAAAAAAAAAAAAAAAAAAAAAAAAAAf39/ACUAAABYAAAAAAAAAAAAAAAAAAAAAAAAAAAAAAAAAAAAAAAAAAAAAAAAAAAAAAAAAAAAAAA/AAAAAAAAAKCGAQAAAAAAAAAAAAAAAAAMAAAAAQAAAAAAAAAAAAAAAAAAAB8AAABUAAAAT4G9Bf///wEAAAAAAAAAAAAAAAAAAAAAAAAAAAAAAAAAAAAAAAAAAAAAAAJ/f38A7uzhA8zMzADAwP8Af39/AAAAAAAAAAAAAAAAAAAAAAAAAAAAIQAAABgAAAAUAAAA0AIAANgJAABwNQAAKCgAABAAAAAmAAAACAAAAAEgAAAAAAAA"/>
               </a:ext>
             </a:extLst>
           </p:cNvSpPr>
@@ -15884,7 +16062,7 @@
             <a:picLocks noChangeAspect="1"/>
             <a:extLst>
               <a:ext uri="smNativeData">
-                <pr:smNativeData xmlns:pr="smNativeData" xmlns="smNativeData" val="SMDATA_17_iunWYhMAAAAlAAAAEQAAAC0AAAAAkAAAAEgAAACQAAAASAAAAAAAAAAAAAAAAAAAAAEAAABQAAAAAAAAAAAA4D8AAAAAAADgPwAAAAAAAOA/AAAAAAAA4D8AAAAAAADgPwAAAAAAAOA/AAAAAAAA4D8AAAAAAADgPwAAAAAAAOA/AAAAAAAA4D8CAAAAjAAAAAAAAAAAAAAAT4G9DP///wgAAAAAAAAAAAAAAAAAAAAAAAAAAAAAAAAAAAAAZAAAAAEAAABAAAAAAAAAAAAAAAAAAAAAAAAAAAAAAAAAAAAAAAAAAAAAAAAAAAAAAAAAAAAAAAAAAAAAAAAAAAAAAAAAAAAAAAAAAAAAAAAAAAAAAAAAAAAAAAAAAAAAFAAAADwAAAAAAAAAAAAAAAAAAAkUAAAAAQAAABQAAAAUAAAAFAAAAAEAAAAAAAAAZAAAAGQAAAAAAAAAZAAAAGQAAAAVAAAAYAAAAAAAAAAAAAAADwAAACADAAAAAAAAAAAAAAEAAACgMgAAVgcAAKr4//8BAAAAf39/AAEAAABkAAAAAAAAABQAAABAHwAAAAAAACYAAAAAAAAAwOD//wAAAAAmAAAAZAAAABYAAABMAAAAAAAAAAAAAAAEAAAAAAAAAAEAAADu7OEKAAAAACgAAAAoAAAAZAAAAGQAAAAAAAAAzMzMAAAAAABQAAAAUAAAAGQAAABkAAAAAAAAAAcAAAA4AAAAAAAAAAAAAAAAAAAA////AAAAAAAAAAAAAAAAAAAAAAAAAAAAAAAAAAAAAABkAAAAZAAAAAAAAAAjAAAABAAAAGQAAAAXAAAAFAAAAAAAAAAAAAAA/38AAP9/AAAAAAAACQAAAAQAAAAAAAABHgAAAGgAAAAAAAAAAAAAAAAAAAAAAAAAAAAAABAnAAAQJwAAAAAAAAAAAAAAAAAAAAAAAAAAAAAAAAAAAAAAAAAAAAAUAAAAAAAAAMDA/wAAAAAAZAAAADIAAAAAAAAAZAAAAAAAAAB/f38ACgAAACIAAAAYAAAAAAAAAAAAAAAAAAAAAAAAAAAAAAAAAAAAJAAAACQAAAAAAAAABwAAAAAAAAAAAAAAAAAAAAAAAAAAAAAAAAAAAH9/fwAlAAAAWAAAAAAAAAAAAAAAAAAAAAAAAAAAAAAAAAAAAAAAAAAAAAAAAAAAAAAAAAAAAAAAPwAAAAAAAACghgEAAAAAAAAAAAAAAAAADAAAAAEAAAAAAAAAAAAAAAAAAAAfAAAAVAAAAE+BvQX///8BAAAAAAAAAAAAAAAAAAAAAAAAAAAAAAAAAAAAAAAAAAAAAAACf39/AO7s4QPMzMwAwMD/AH9/fwAAAAAAAAAAAAAAAAD///8AAAAAACEAAAAYAAAAFAAAAL8IAAA0BAAApi4AADAqAAAQAAAAJgAAAAgAAAD//////////w=="/>
+                <pr:smNativeData xmlns:pr="smNativeData" xmlns="smNativeData" val="SMDATA_17_0rbXYhMAAAAlAAAAEQAAAC0AAAAAkAAAAEgAAACQAAAASAAAAAAAAAAAAAAAAAAAAAEAAABQAAAAAAAAAAAA4D8AAAAAAADgPwAAAAAAAOA/AAAAAAAA4D8AAAAAAADgPwAAAAAAAOA/AAAAAAAA4D8AAAAAAADgPwAAAAAAAOA/AAAAAAAA4D8CAAAAjAAAAAAAAAAAAAAAT4G9DP///wgAAAAAAAAAAAAAAAAAAAAAAAAAAAAAAAAAAAAAZAAAAAEAAABAAAAAAAAAAAAAAAAAAAAAAAAAAAAAAAAAAAAAAAAAAAAAAAAAAAAAAAAAAAAAAAAAAAAAAAAAAAAAAAAAAAAAAAAAAAAAAAAAAAAAAAAAAAAAAAAAAAAAFAAAADwAAAAAAAAAAAAAAAAAAAkUAAAAAQAAABQAAAAUAAAAFAAAAAEAAAAAAAAAZAAAAGQAAAAAAAAAZAAAAGQAAAAVAAAAYAAAAAAAAAAAAAAADwAAACADAAAAAAAAAAAAAAEAAACgMgAAVgcAAKr4//8BAAAAf39/AAEAAABkAAAAAAAAABQAAABAHwAAAAAAACYAAAAAAAAAwOD//wAAAAAmAAAAZAAAABYAAABMAAAAAAAAAAAAAAAEAAAAAAAAAAEAAADu7OEKAAAAACgAAAAoAAAAZAAAAGQAAAAAAAAAzMzMAAAAAABQAAAAUAAAAGQAAABkAAAAAAAAAAcAAAA4AAAAAAAAAAAAAAAAAAAA////AAAAAAAAAAAAAAAAAAAAAAAAAAAAAAAAAAAAAABkAAAAZAAAAAAAAAAjAAAABAAAAGQAAAAXAAAAFAAAAAAAAAAAAAAA/38AAP9/AAAAAAAACQAAAAQAAAAAAAABHgAAAGgAAAAAAAAAAAAAAAAAAAAAAAAAAAAAABAnAAAQJwAAAAAAAAAAAAAAAAAAAAAAAAAAAAAAAAAAAAAAAAAAAAAUAAAAAAAAAMDA/wAAAAAAZAAAADIAAAAAAAAAZAAAAAAAAAB/f38ACgAAACIAAAAYAAAAAAAAAAAAAAAAAAAAAAAAAAAAAAAAAAAAJAAAACQAAAAAAAAABwAAAAAAAAAAAAAAAAAAAAAAAAAAAAAAAAAAAH9/fwAlAAAAWAAAAAAAAAAAAAAAAAAAAAAAAAAAAAAAAAAAAAAAAAAAAAAAAAAAAAAAAAAAAAAAPwAAAAAAAACghgEAAAAAAAAAAAAAAAAADAAAAAEAAAAAAAAAAAAAAAAAAAAfAAAAVAAAAE+BvQX///8BAAAAAAAAAAAAAAAAAAAAAAAAAAAAAAAAAAAAAAAAAAAAAAACf39/AO7s4QPMzMwAwMD/AH9/fwAAAAAAAAAAAAAAAAD///8AAAAAACEAAAAYAAAAFAAAAL8IAAA0BAAApi4AADAqAAAQAAAAJgAAAAgAAAD//////////w=="/>
               </a:ext>
             </a:extLst>
           </p:cNvPicPr>
@@ -15918,7 +16096,7 @@
             <a:spLocks noGrp="1" noChangeArrowheads="1"/>
             <a:extLst>
               <a:ext uri="smNativeData">
-                <pr:smNativeData xmlns:pr="smNativeData" xmlns="smNativeData" val="SMDATA_15_iunWYhMAAAAlAAAAZAAAAA0AAAAAkAAAAEgAAACQAAAASAAAAAAAAAABAAAAAAAAAAEAAABQAAAAAAAAAAAA4D8AAAAAAADgPwAAAAAAAOA/AAAAAAAA4D8AAAAAAADgPwAAAAAAAOA/AAAAAAAA4D8AAAAAAADgPwAAAAAAAOA/AAAAAAAA4D8CAAAAjAAAAAAAAAAAAAAAT4G9DP///wgAAAAAAAAAAAAAAAAAAAAAAAAAAAAAAAAAAAAAZAAAAAEAAABAAAAAAAAAAAAAAAAAAAAAAAAAAAAAAAAAAAAAAAAAAAAAAAAAAAAAAAAAAAAAAAAAAAAAAAAAAAAAAAAAAAAAAAAAAAAAAAAAAAAAAAAAAAAAAAAAAAAAFAAAADwAAAAAAAAAAAAAAAAAAAkUAAAAAQAAABQAAAAUAAAAFAAAAAEAAAAAAAAAZAAAAGQAAAAAAAAAZAAAAGQAAAAVAAAAYAAAAAAAAAAAAAAADwAAACADAAAAAAAAAAAAAAEAAACgMgAAVgcAAKr4//8BAAAAf39/AAEAAABkAAAAAAAAABQAAABAHwAAAAAAACYAAAAAAAAAwOD//wAAAAAmAAAAZAAAABYAAABMAAAAAAAAAAAAAAAEAAAAAAAAAAEAAADu7OEKAAAAACgAAAAoAAAAZAAAAGQAAAAAAAAAzMzMAAAAAABQAAAAUAAAAGQAAABkAAAAAAAAABcAAAAUAAAAAAAAAAAAAAD/fwAA/38AAAAAAAAJAAAABAAAAC9hOmUeAAAAaAAAAAAAAAAAAAAAAAAAAAAAAAAAAAAAECcAABAnAAAAAAAAAAAAAAAAAAAAAAAAAAAAAAAAAAAAAAAAAAAAABQAAAAAAAAAwMD/AAAAAABkAAAAMgAAAAAAAABkAAAAAAAAAH9/fwAKAAAAIgAAABgAAAAAAAAAAAAAAAAAAAAAAAAAAAAAAAAAAAAkAAAAJAAAAAAAAAAHAAAAAAAAAAAAAAAAAAAAAAAAAAAAAAAAAAAAf39/ACUAAABYAAAAAAAAAAAAAAAAAAAAAAAAAAAAAAAAAAAAAAAAAAAAAAAAAAAAAAAAAAAAAAA/AAAAAAAAAKCGAQAAAAAAAAAAAAAAAAAMAAAAAQAAAAAAAAAAAAAAAAAAAB8AAABUAAAAT4G9Bf///wEAAAAAAAAAAAAAAAAAAAAAAAAAAAAAAAAAAAAAAAAAAAAAAAJ/f38A7uzhA8zMzADAwP8Af39/AAAAAAAAAAAAAAAAAAAAAAAAAAAAIQAAABgAAAAUAAAA3gEAAJ3+//9+NAAApQUAABAAAAAmAAAACAAAAAEAAAAAAAAA"/>
+                <pr:smNativeData xmlns:pr="smNativeData" xmlns="smNativeData" val="SMDATA_15_0rbXYhMAAAAlAAAAZAAAAA0AAAAAkAAAAEgAAACQAAAASAAAAAAAAAABAAAAAAAAAAEAAABQAAAAAAAAAAAA4D8AAAAAAADgPwAAAAAAAOA/AAAAAAAA4D8AAAAAAADgPwAAAAAAAOA/AAAAAAAA4D8AAAAAAADgPwAAAAAAAOA/AAAAAAAA4D8CAAAAjAAAAAAAAAAAAAAAT4G9DP///wgAAAAAAAAAAAAAAAAAAAAAAAAAAAAAAAAAAAAAZAAAAAEAAABAAAAAAAAAAAAAAAAAAAAAAAAAAAAAAAAAAAAAAAAAAAAAAAAAAAAAAAAAAAAAAAAAAAAAAAAAAAAAAAAAAAAAAAAAAAAAAAAAAAAAAAAAAAAAAAAAAAAAFAAAADwAAAAAAAAAAAAAAAAAAAkUAAAAAQAAABQAAAAUAAAAFAAAAAEAAAAAAAAAZAAAAGQAAAAAAAAAZAAAAGQAAAAVAAAAYAAAAAAAAAAAAAAADwAAACADAAAAAAAAAAAAAAEAAACgMgAAVgcAAKr4//8BAAAAf39/AAEAAABkAAAAAAAAABQAAABAHwAAAAAAACYAAAAAAAAAwOD//wAAAAAmAAAAZAAAABYAAABMAAAAAAAAAAAAAAAEAAAAAAAAAAEAAADu7OEKAAAAACgAAAAoAAAAZAAAAGQAAAAAAAAAzMzMAAAAAABQAAAAUAAAAGQAAABkAAAAAAAAABcAAAAUAAAAAAAAAAAAAAD/fwAA/38AAAAAAAAJAAAABAAAAC9hOmUeAAAAaAAAAAAAAAAAAAAAAAAAAAAAAAAAAAAAECcAABAnAAAAAAAAAAAAAAAAAAAAAAAAAAAAAAAAAAAAAAAAAAAAABQAAAAAAAAAwMD/AAAAAABkAAAAMgAAAAAAAABkAAAAAAAAAH9/fwAKAAAAIgAAABgAAAAAAAAAAAAAAAAAAAAAAAAAAAAAAAAAAAAkAAAAJAAAAAAAAAAHAAAAAAAAAAAAAAAAAAAAAAAAAAAAAAAAAAAAf39/ACUAAABYAAAAAAAAAAAAAAAAAAAAAAAAAAAAAAAAAAAAAAAAAAAAAAAAAAAAAAAAAAAAAAA/AAAAAAAAAKCGAQAAAAAAAAAAAAAAAAAMAAAAAQAAAAAAAAAAAAAAAAAAAB8AAABUAAAAT4G9Bf///wEAAAAAAAAAAAAAAAAAAAAAAAAAAAAAAAAAAAAAAAAAAAAAAAJ/f38A7uzhA8zMzADAwP8Af39/AAAAAAAAAAAAAAAAAAAAAAAAAAAAIQAAABgAAAAUAAAA3gEAAJ3+//9+NAAApQUAABAAAAAmAAAACAAAAAEAAAAAAAAA"/>
               </a:ext>
             </a:extLst>
           </p:cNvSpPr>
@@ -15984,7 +16162,7 @@
             <a:spLocks noGrp="1" noChangeArrowheads="1"/>
             <a:extLst>
               <a:ext uri="smNativeData">
-                <pr:smNativeData xmlns:pr="smNativeData" xmlns="smNativeData" val="SMDATA_15_iunWYhMAAAAlAAAAZAAAAA0AAAAAkAAAAEgAAACQAAAASAAAAAAAAAABAAAAAAAAAAEAAABQAAAAAAAAAAAA4D8AAAAAAADgPwAAAAAAAOA/AAAAAAAA4D8AAAAAAADgPwAAAAAAAOA/AAAAAAAA4D8AAAAAAADgPwAAAAAAAOA/AAAAAAAA4D8CAAAAjAAAAAAAAAAAAAAAT4G9DP///wgAAAAAAAAAAAAAAAAAAAAAAAAAAAAAAAAAAAAAZAAAAAEAAABAAAAAAAAAAAAAAAAAAAAAAAAAAAAAAAAAAAAAAAAAAAAAAAAAAAAAAAAAAAAAAAAAAAAAAAAAAAAAAAAAAAAAAAAAAAAAAAAAAAAAAAAAAAAAAAAAAAAAFAAAADwAAAAAAAAAAAAAAAAAAAkUAAAAAQAAABQAAAAUAAAAFAAAAAEAAAAAAAAAZAAAAGQAAAAAAAAAZAAAAGQAAAAVAAAAYAAAAAAAAAAAAAAADwAAACADAAAAAAAAAAAAAAEAAACgMgAAVgcAAKr4//8BAAAAf39/AAEAAABkAAAAAAAAABQAAABAHwAAAAAAACYAAAAAAAAAwOD//wAAAAAmAAAAZAAAABYAAABMAAAAAAAAAAAAAAAEAAAAAAAAAAEAAADu7OEKAAAAACgAAAAoAAAAZAAAAGQAAAAAAAAAzMzMAAAAAABQAAAAUAAAAGQAAABkAAAAAAAAABcAAAAUAAAAAAAAAAAAAAD/fwAA/38AAAAAAAAJAAAABAAAAAAAAAAeAAAAaAAAAAAAAAAAAAAAAAAAAAAAAAAAAAAAECcAABAnAAAAAAAAAAAAAAAAAAAAAAAAAAAAAAAAAAAAAAAAAAAAABQAAAAAAAAAwMD/AAAAAABkAAAAMgAAAAAAAABkAAAAAAAAAH9/fwAKAAAAIgAAABgAAAAAAAAAAAAAAAAAAAAAAAAAAAAAAAAAAAAkAAAAJAAAAAAAAAAHAAAAAAAAAAAAAAAAAAAAAAAAAAAAAAAAAAAAf39/ACUAAABYAAAAAAAAAAAAAAAAAAAAAAAAAAAAAAAAAAAAAAAAAAAAAAAAAAAAAAAAAAAAAAA/AAAAAAAAAKCGAQAAAAAAAAAAAAAAAAAMAAAAAQAAAAAAAAAAAAAAAAAAAB8AAABUAAAAT4G9Bf///wEAAAAAAAAAAAAAAAAAAAAAAAAAAAAAAAAAAAAAAAAAAAAAAAJ/f38A7uzhA8zMzADAwP8Af39/AAAAAAAAAAAAAAAAAAAAAAAAAAAAIQAAABgAAAAUAAAA0AIAAAAAAABwNQAACAcAABAAAAAmAAAACAAAAAEgAAAAAAAA"/>
+                <pr:smNativeData xmlns:pr="smNativeData" xmlns="smNativeData" val="SMDATA_15_0rbXYhMAAAAlAAAAZAAAAA0AAAAAkAAAAEgAAACQAAAASAAAAAAAAAABAAAAAAAAAAEAAABQAAAAAAAAAAAA4D8AAAAAAADgPwAAAAAAAOA/AAAAAAAA4D8AAAAAAADgPwAAAAAAAOA/AAAAAAAA4D8AAAAAAADgPwAAAAAAAOA/AAAAAAAA4D8CAAAAjAAAAAAAAAAAAAAAT4G9DP///wgAAAAAAAAAAAAAAAAAAAAAAAAAAAAAAAAAAAAAZAAAAAEAAABAAAAAAAAAAAAAAAAAAAAAAAAAAAAAAAAAAAAAAAAAAAAAAAAAAAAAAAAAAAAAAAAAAAAAAAAAAAAAAAAAAAAAAAAAAAAAAAAAAAAAAAAAAAAAAAAAAAAAFAAAADwAAAAAAAAAAAAAAAAAAAkUAAAAAQAAABQAAAAUAAAAFAAAAAEAAAAAAAAAZAAAAGQAAAAAAAAAZAAAAGQAAAAVAAAAYAAAAAAAAAAAAAAADwAAACADAAAAAAAAAAAAAAEAAACgMgAAVgcAAKr4//8BAAAAf39/AAEAAABkAAAAAAAAABQAAABAHwAAAAAAACYAAAAAAAAAwOD//wAAAAAmAAAAZAAAABYAAABMAAAAAAAAAAAAAAAEAAAAAAAAAAEAAADu7OEKAAAAACgAAAAoAAAAZAAAAGQAAAAAAAAAzMzMAAAAAABQAAAAUAAAAGQAAABkAAAAAAAAABcAAAAUAAAAAAAAAAAAAAD/fwAA/38AAAAAAAAJAAAABAAAAAAAAAAeAAAAaAAAAAAAAAAAAAAAAAAAAAAAAAAAAAAAECcAABAnAAAAAAAAAAAAAAAAAAAAAAAAAAAAAAAAAAAAAAAAAAAAABQAAAAAAAAAwMD/AAAAAABkAAAAMgAAAAAAAABkAAAAAAAAAH9/fwAKAAAAIgAAABgAAAAAAAAAAAAAAAAAAAAAAAAAAAAAAAAAAAAkAAAAJAAAAAAAAAAHAAAAAAAAAAAAAAAAAAAAAAAAAAAAAAAAAAAAf39/ACUAAABYAAAAAAAAAAAAAAAAAAAAAAAAAAAAAAAAAAAAAAAAAAAAAAAAAAAAAAAAAAAAAAA/AAAAAAAAAKCGAQAAAAAAAAAAAAAAAAAMAAAAAQAAAAAAAAAAAAAAAAAAAB8AAABUAAAAT4G9Bf///wEAAAAAAAAAAAAAAAAAAAAAAAAAAAAAAAAAAAAAAAAAAAAAAAJ/f38A7uzhA8zMzADAwP8Af39/AAAAAAAAAAAAAAAAAAAAAAAAAAAAIQAAABgAAAAUAAAA0AIAAAAAAABwNQAACAcAABAAAAAmAAAACAAAAAEgAAAAAAAA"/>
               </a:ext>
             </a:extLst>
           </p:cNvSpPr>
@@ -16025,7 +16203,7 @@
             <a:picLocks noChangeAspect="1"/>
             <a:extLst>
               <a:ext uri="smNativeData">
-                <pr:smNativeData xmlns:pr="smNativeData" xmlns="smNativeData" val="SMDATA_17_iunWYhMAAAAlAAAAEQAAAC0AAAAAkAAAAEgAAACQAAAASAAAAAAAAAAAAAAAAAAAAAEAAABQAAAAAAAAAAAA4D8AAAAAAADgPwAAAAAAAOA/AAAAAAAA4D8AAAAAAADgPwAAAAAAAOA/AAAAAAAA4D8AAAAAAADgPwAAAAAAAOA/AAAAAAAA4D8CAAAAjAAAAAAAAAAAAAAAT4G9DP///wgAAAAAAAAAAAAAAAAAAAAAAAAAAAAAAAAAAAAAZAAAAAEAAABAAAAAAAAAAAAAAAAAAAAAAAAAAAAAAAAAAAAAAAAAAAAAAAAAAAAAAAAAAAAAAAAAAAAAAAAAAAAAAAAAAAAAAAAAAAAAAAAAAAAAAAAAAAAAAAAAAAAAFAAAADwAAAAAAAAAAAAAAAAAAAkUAAAAAQAAABQAAAAUAAAAFAAAAAEAAAAAAAAAZAAAAGQAAAAAAAAAZAAAAGQAAAAVAAAAYAAAAAAAAAAAAAAADwAAACADAAAAAAAAAAAAAAEAAACgMgAAVgcAAKr4//8BAAAAf39/AAEAAABkAAAAAAAAABQAAABAHwAAAAAAACYAAAAAAAAAwOD//wAAAAAmAAAAZAAAABYAAABMAAAAAAAAAAAAAAAEAAAAAAAAAAEAAADu7OEKAAAAACgAAAAoAAAAZAAAAGQAAAAAAAAAzMzMAAAAAABQAAAAUAAAAGQAAABkAAAAAAAAAAcAAAA4AAAAAAAAAAAAAAAAAAAA////AAAAAAAAAAAAAAAAAAAAAAAAAAAAAAAAAAAAAABkAAAAZAAAAAAAAAAjAAAABAAAAGQAAAAXAAAAFAAAAAAAAAAAAAAA/38AAP9/AAAAAAAACQAAAAQAAAAAAAAAHgAAAGgAAAAAAAAAAAAAAAAAAAAAAAAAAAAAABAnAAAQJwAAAAAAAAAAAAAAAAAAAAAAAAAAAAAAAAAAAAAAAAAAAAAUAAAAAAAAAMDA/wAAAAAAZAAAADIAAAAAAAAAZAAAAAAAAAB/f38ACgAAACIAAAAYAAAAAAAAAAAAAAAAAAAAAAAAAAAAAAAAAAAAJAAAACQAAAAAAAAABwAAAAAAAAAAAAAAAAAAAAAAAAAAAAAAAAAAAH9/fwAlAAAAWAAAAAAAAAAAAAAAAAAAAAAAAAAAAAAAAAAAAAAAAAAAAAAAAAAAAAAAAAAAAAAAPwAAAAAAAACghgEAAAAAAAAAAAAAAAAADAAAAAEAAAAAAAAAAAAAAAAAAAAfAAAAVAAAAE+BvQX///8BAAAAAAAAAAAAAAAAAAAAAAAAAAAAAAAAAAAAAAAAAAAAAAACf39/AO7s4QPMzMwAwMD/AH9/fwAAAAAAAAAAAAAAAAD///8AAAAAACEAAAAYAAAAFAAAAE4BAADiBgAAbDcAADAqAAAQAAAAJgAAAAgAAAD//////////w=="/>
+                <pr:smNativeData xmlns:pr="smNativeData" xmlns="smNativeData" val="SMDATA_17_0rbXYhMAAAAlAAAAEQAAAC0AAAAAkAAAAEgAAACQAAAASAAAAAAAAAAAAAAAAAAAAAEAAABQAAAAAAAAAAAA4D8AAAAAAADgPwAAAAAAAOA/AAAAAAAA4D8AAAAAAADgPwAAAAAAAOA/AAAAAAAA4D8AAAAAAADgPwAAAAAAAOA/AAAAAAAA4D8CAAAAjAAAAAAAAAAAAAAAT4G9DP///wgAAAAAAAAAAAAAAAAAAAAAAAAAAAAAAAAAAAAAZAAAAAEAAABAAAAAAAAAAAAAAAAAAAAAAAAAAAAAAAAAAAAAAAAAAAAAAAAAAAAAAAAAAAAAAAAAAAAAAAAAAAAAAAAAAAAAAAAAAAAAAAAAAAAAAAAAAAAAAAAAAAAAFAAAADwAAAAAAAAAAAAAAAAAAAkUAAAAAQAAABQAAAAUAAAAFAAAAAEAAAAAAAAAZAAAAGQAAAAAAAAAZAAAAGQAAAAVAAAAYAAAAAAAAAAAAAAADwAAACADAAAAAAAAAAAAAAEAAACgMgAAVgcAAKr4//8BAAAAf39/AAEAAABkAAAAAAAAABQAAABAHwAAAAAAACYAAAAAAAAAwOD//wAAAAAmAAAAZAAAABYAAABMAAAAAAAAAAAAAAAEAAAAAAAAAAEAAADu7OEKAAAAACgAAAAoAAAAZAAAAGQAAAAAAAAAzMzMAAAAAABQAAAAUAAAAGQAAABkAAAAAAAAAAcAAAA4AAAAAAAAAAAAAAAAAAAA////AAAAAAAAAAAAAAAAAAAAAAAAAAAAAAAAAAAAAABkAAAAZAAAAAAAAAAjAAAABAAAAGQAAAAXAAAAFAAAAAAAAAAAAAAA/38AAP9/AAAAAAAACQAAAAQAAAAAAAAAHgAAAGgAAAAAAAAAAAAAAAAAAAAAAAAAAAAAABAnAAAQJwAAAAAAAAAAAAAAAAAAAAAAAAAAAAAAAAAAAAAAAAAAAAAUAAAAAAAAAMDA/wAAAAAAZAAAADIAAAAAAAAAZAAAAAAAAAB/f38ACgAAACIAAAAYAAAAAAAAAAAAAAAAAAAAAAAAAAAAAAAAAAAAJAAAACQAAAAAAAAABwAAAAAAAAAAAAAAAAAAAAAAAAAAAAAAAAAAAH9/fwAlAAAAWAAAAAAAAAAAAAAAAAAAAAAAAAAAAAAAAAAAAAAAAAAAAAAAAAAAAAAAAAAAAAAAPwAAAAAAAACghgEAAAAAAAAAAAAAAAAADAAAAAEAAAAAAAAAAAAAAAAAAAAfAAAAVAAAAE+BvQX///8BAAAAAAAAAAAAAAAAAAAAAAAAAAAAAAAAAAAAAAAAAAAAAAACf39/AO7s4QPMzMwAwMD/AH9/fwAAAAAAAAAAAAAAAAD///8AAAAAACEAAAAYAAAAFAAAAE4BAADiBgAAbDcAADAqAAAQAAAAJgAAAAgAAAD//////////w=="/>
               </a:ext>
             </a:extLst>
           </p:cNvPicPr>
@@ -16091,7 +16269,7 @@
             <a:spLocks noGrp="1" noChangeArrowheads="1"/>
             <a:extLst>
               <a:ext uri="smNativeData">
-                <pr:smNativeData xmlns:pr="smNativeData" xmlns="smNativeData" val="SMDATA_15_iunWYhMAAAAlAAAAZAAAAA0AAAAAkAAAAEgAAACQAAAASAAAAAAAAAABAAAAAAAAAAEAAABQAAAAAAAAAAAA4D8AAAAAAADgPwAAAAAAAOA/AAAAAAAA4D8AAAAAAADgPwAAAAAAAOA/AAAAAAAA4D8AAAAAAADgPwAAAAAAAOA/AAAAAAAA4D8CAAAAjAAAAAAAAAAAAAAAT4G9DP///wgAAAAAAAAAAAAAAAAAAAAAAAAAAAAAAAAAAAAAZAAAAAEAAABAAAAAAAAAAAAAAAAAAAAAAAAAAAAAAAAAAAAAAAAAAAAAAAAAAAAAAAAAAAAAAAAAAAAAAAAAAAAAAAAAAAAAAAAAAAAAAAAAAAAAAAAAAAAAAAAAAAAAFAAAADwAAAAAAAAAAAAAAAAAAAkUAAAAAQAAABQAAAAUAAAAFAAAAAEAAAAAAAAAZAAAAGQAAAAAAAAAZAAAAGQAAAAVAAAAYAAAAAAAAAAAAAAADwAAACADAAAAAAAAAAAAAAEAAACgMgAAVgcAAKr4//8BAAAAf39/AAEAAABkAAAAAAAAABQAAABAHwAAAAAAACYAAAAAAAAAwOD//wAAAAAmAAAAZAAAABYAAABMAAAAAAAAAAAAAAAEAAAAAAAAAAEAAADu7OEKAAAAACgAAAAoAAAAZAAAAGQAAAAAAAAAzMzMAAAAAABQAAAAUAAAAGQAAABkAAAAAAAAABcAAAAUAAAAAAAAAAAAAAD/fwAA/38AAAAAAAAJAAAABAAAAAAAAAAeAAAAaAAAAAAAAAAAAAAAAAAAAAAAAAAAAAAAECcAABAnAAAAAAAAAAAAAAAAAAAAAAAAAAAAAAAAAAAAAAAAAAAAABQAAAAAAAAAwMD/AAAAAABkAAAAMgAAAAAAAABkAAAAAAAAAH9/fwAKAAAAIgAAABgAAAAAAAAAAAAAAAAAAAAAAAAAAAAAAAAAAAAkAAAAJAAAAAAAAAAHAAAAAAAAAAAAAAAAAAAAAAAAAAAAAAAAAAAAf39/ACUAAABYAAAAAAAAAAAAAAAAAAAAAAAAAAAAAAAAAAAAAAAAAAAAAAAAAAAAAAAAAAAAAAA/AAAAAAAAAKCGAQAAAAAAAAAAAAAAAAAMAAAAAQAAAAAAAAAAAAAAAAAAAB8AAABUAAAAT4G9Bf///wEAAAAAAAAAAAAAAAAAAAAAAAAAAAAAAAAAAAAAAAAAAAAAAAJ/f38A7uzhA8zMzADAwP8Af39/AAAAAAAAAAAAAAAAAAAAAAAAAAAAIQAAABgAAAAUAAAA0AIAALEBAABwNQAAuQgAABAAAAAmAAAACAAAAAAAAAAAAAAA"/>
+                <pr:smNativeData xmlns:pr="smNativeData" xmlns="smNativeData" val="SMDATA_15_0rbXYhMAAAAlAAAAZAAAAA0AAAAAkAAAAEgAAACQAAAASAAAAAAAAAABAAAAAAAAAAEAAABQAAAAAAAAAAAA4D8AAAAAAADgPwAAAAAAAOA/AAAAAAAA4D8AAAAAAADgPwAAAAAAAOA/AAAAAAAA4D8AAAAAAADgPwAAAAAAAOA/AAAAAAAA4D8CAAAAjAAAAAAAAAAAAAAAT4G9DP///wgAAAAAAAAAAAAAAAAAAAAAAAAAAAAAAAAAAAAAZAAAAAEAAABAAAAAAAAAAAAAAAAAAAAAAAAAAAAAAAAAAAAAAAAAAAAAAAAAAAAAAAAAAAAAAAAAAAAAAAAAAAAAAAAAAAAAAAAAAAAAAAAAAAAAAAAAAAAAAAAAAAAAFAAAADwAAAAAAAAAAAAAAAAAAAkUAAAAAQAAABQAAAAUAAAAFAAAAAEAAAAAAAAAZAAAAGQAAAAAAAAAZAAAAGQAAAAVAAAAYAAAAAAAAAAAAAAADwAAACADAAAAAAAAAAAAAAEAAACgMgAAVgcAAKr4//8BAAAAf39/AAEAAABkAAAAAAAAABQAAABAHwAAAAAAACYAAAAAAAAAwOD//wAAAAAmAAAAZAAAABYAAABMAAAAAAAAAAAAAAAEAAAAAAAAAAEAAADu7OEKAAAAACgAAAAoAAAAZAAAAGQAAAAAAAAAzMzMAAAAAABQAAAAUAAAAGQAAABkAAAAAAAAABcAAAAUAAAAAAAAAAAAAAD/fwAA/38AAAAAAAAJAAAABAAAAAAAAAAeAAAAaAAAAAAAAAAAAAAAAAAAAAAAAAAAAAAAECcAABAnAAAAAAAAAAAAAAAAAAAAAAAAAAAAAAAAAAAAAAAAAAAAABQAAAAAAAAAwMD/AAAAAABkAAAAMgAAAAAAAABkAAAAAAAAAH9/fwAKAAAAIgAAABgAAAAAAAAAAAAAAAAAAAAAAAAAAAAAAAAAAAAkAAAAJAAAAAAAAAAHAAAAAAAAAAAAAAAAAAAAAAAAAAAAAAAAAAAAf39/ACUAAABYAAAAAAAAAAAAAAAAAAAAAAAAAAAAAAAAAAAAAAAAAAAAAAAAAAAAAAAAAAAAAAA/AAAAAAAAAKCGAQAAAAAAAAAAAAAAAAAMAAAAAQAAAAAAAAAAAAAAAAAAAB8AAABUAAAAT4G9Bf///wEAAAAAAAAAAAAAAAAAAAAAAAAAAAAAAAAAAAAAAAAAAAAAAAJ/f38A7uzhA8zMzADAwP8Af39/AAAAAAAAAAAAAAAAAAAAAAAAAAAAIQAAABgAAAAUAAAA0AIAALEBAABwNQAAuQgAABAAAAAmAAAACAAAAAAAAAAAAAAA"/>
               </a:ext>
             </a:extLst>
           </p:cNvSpPr>
@@ -16119,7 +16297,7 @@
           <p:cNvGrpSpPr>
             <a:extLst>
               <a:ext uri="smNativeData">
-                <pr:smNativeData xmlns:pr="smNativeData" xmlns="smNativeData" val="SMDATA_6_iunWYhMAAAAlAAAAAQAAAA8BAAAAkAAAAEgAAACQAAAASAAAAAAAAAAAAAAAAAAAABcAAAAUAAAAAAAAAAAAAAD/fwAA/38AAAAAAAAJAAAABAAAAFQAAAAfAAAAVAAAAAAAAAAAAAAAAAAAAAAAAAAAAAAAAAAAAAAAAAAAAAAAAAAAAAAAAAAAAAAAAAAAAAAAAAAAAAAAAAAAAAAAAAAAAAAAAAAAAAAAAAAAAAAAAAAAACEAAAAYAAAAFAAAAAAAAAAMCwAAkjgAAIAhAAAQAAAAJgAAAAgAAAD/////AAAAAA=="/>
+                <pr:smNativeData xmlns:pr="smNativeData" xmlns="smNativeData" val="SMDATA_6_0rbXYhMAAAAlAAAAAQAAAA8BAAAAkAAAAEgAAACQAAAASAAAAAAAAAAAAAAAAAAAABcAAAAUAAAAAAAAAAAAAAD/fwAA/38AAAAAAAAJAAAABAAAAFQAAAAfAAAAVAAAAAAAAAAAAAAAAAAAAAAAAAAAAAAAAAAAAAAAAAAAAAAAAAAAAAAAAAAAAAAAAAAAAAAAAAAAAAAAAAAAAAAAAAAAAAAAAAAAAAAAAAAAAAAAAAAAACEAAAAYAAAAFAAAAAAAAAAMCwAAkjgAAIAhAAAQAAAAJgAAAAgAAAD/////AAAAAA=="/>
               </a:ext>
             </a:extLst>
           </p:cNvGrpSpPr>
@@ -16140,7 +16318,7 @@
               <a:picLocks noChangeAspect="1"/>
               <a:extLst>
                 <a:ext uri="smNativeData">
-                  <pr:smNativeData xmlns:pr="smNativeData" xmlns="smNativeData" val="SMDATA_17_iunWYhMAAAAlAAAAEQAAAC0AAAAAkAAAAEgAAACQAAAASAAAAAAAAAAAAAAAAAAAAAEAAABQAAAAAAAAAAAA4D8AAAAAAADgPwAAAAAAAOA/AAAAAAAA4D8AAAAAAADgPwAAAAAAAOA/AAAAAAAA4D8AAAAAAADgPwAAAAAAAOA/AAAAAAAA4D8CAAAAjAAAAAAAAAAAAAAAT4G9DP///wgAAAAAAAAAAAAAAAAAAAAAAAAAAAAAAAAAAAAAZAAAAAEAAABAAAAAAAAAAAAAAAAAAAAAAAAAAAAAAAAAAAAAAAAAAAAAAAAAAAAAAAAAAAAAAAAAAAAAAAAAAAAAAAAAAAAAAAAAAAAAAAAAAAAAAAAAAAAAAAAAAAAAFAAAADwAAAAAAAAAAAAAAAAAAAkUAAAAAQAAABQAAAAUAAAAFAAAAAEAAAAAAAAAZAAAAGQAAAAAAAAAZAAAAGQAAAAVAAAAYAAAAAAAAAAAAAAADwAAACADAAAAAAAAAAAAAAEAAACgMgAAVgcAAKr4//8BAAAAf39/AAEAAABkAAAAAAAAABQAAABAHwAAAAAAACYAAAAAAAAAwOD//wAAAAAmAAAAZAAAABYAAABMAAAAAAAAAAAAAAAEAAAAAAAAAAEAAADu7OEKAAAAACgAAAAoAAAAZAAAAGQAAAAAAAAAzMzMAAAAAABQAAAAUAAAAGQAAABkAAAAAAAAAAcAAAA4AAAAAAAAAAAAAAAAAAAA////AAAAAAAAAAAAAAAAAAAAAAAAAAAAAAAAAAAAAABkAAAAZAAAAAAAAAAjAAAABAAAAGQAAAAXAAAAFAAAAAAAAAAAAAAA/38AAP9/AAAAAAAACQAAAAQAAAAAAAAAHgAAAGgAAAAAAAAAAAAAAAAAAAAAAAAAAAAAABAnAAAQJwAAAAAAAAAAAAAAAAAAAAAAAAAAAAAAAAAAAAAAAAAAAAAUAAAAAAAAAMDA/wAAAAAAZAAAADIAAAAAAAAAZAAAAAAAAAB/f38ACgAAACIAAAAYAAAAAAAAAAAAAAAAAAAAAAAAAAAAAAAAAAAAJAAAACQAAAAAAAAABwAAAAAAAAAAAAAAAAAAAAAAAAAAAAAAAAAAAH9/fwAlAAAAWAAAAAAAAAAAAAAAAAAAAAAAAAAAAAAAAAAAAAAAAAAAAAAAAAAAAAAAAAAAAAAAPwAAAAAAAACghgEAAAAAAAAAAAAAAAAADAAAAAEAAAAAAAAAAAAAAAAAAAAfAAAAVAAAAE+BvQX///8BAAAAAAAAAAAAAAAAAAAAAAAAAAAAAAAAAAAAAAAAAAAAAAACf39/AO7s4QPMzMwAwMD/AH9/fwAAAAAAAAAAAAAAAAD///8AAAAAACEAAAAYAAAAFAAAAAAAAAAMCwAAkjgAAIAhAAAAAAAAJgAAAAgAAAD//////////w=="/>
+                  <pr:smNativeData xmlns:pr="smNativeData" xmlns="smNativeData" val="SMDATA_17_0rbXYhMAAAAlAAAAEQAAAC0AAAAAkAAAAEgAAACQAAAASAAAAAAAAAAAAAAAAAAAAAEAAABQAAAAAAAAAAAA4D8AAAAAAADgPwAAAAAAAOA/AAAAAAAA4D8AAAAAAADgPwAAAAAAAOA/AAAAAAAA4D8AAAAAAADgPwAAAAAAAOA/AAAAAAAA4D8CAAAAjAAAAAAAAAAAAAAAT4G9DP///wgAAAAAAAAAAAAAAAAAAAAAAAAAAAAAAAAAAAAAZAAAAAEAAABAAAAAAAAAAAAAAAAAAAAAAAAAAAAAAAAAAAAAAAAAAAAAAAAAAAAAAAAAAAAAAAAAAAAAAAAAAAAAAAAAAAAAAAAAAAAAAAAAAAAAAAAAAAAAAAAAAAAAFAAAADwAAAAAAAAAAAAAAAAAAAkUAAAAAQAAABQAAAAUAAAAFAAAAAEAAAAAAAAAZAAAAGQAAAAAAAAAZAAAAGQAAAAVAAAAYAAAAAAAAAAAAAAADwAAACADAAAAAAAAAAAAAAEAAACgMgAAVgcAAKr4//8BAAAAf39/AAEAAABkAAAAAAAAABQAAABAHwAAAAAAACYAAAAAAAAAwOD//wAAAAAmAAAAZAAAABYAAABMAAAAAAAAAAAAAAAEAAAAAAAAAAEAAADu7OEKAAAAACgAAAAoAAAAZAAAAGQAAAAAAAAAzMzMAAAAAABQAAAAUAAAAGQAAABkAAAAAAAAAAcAAAA4AAAAAAAAAAAAAAAAAAAA////AAAAAAAAAAAAAAAAAAAAAAAAAAAAAAAAAAAAAABkAAAAZAAAAAAAAAAjAAAABAAAAGQAAAAXAAAAFAAAAAAAAAAAAAAA/38AAP9/AAAAAAAACQAAAAQAAAAAAAAAHgAAAGgAAAAAAAAAAAAAAAAAAAAAAAAAAAAAABAnAAAQJwAAAAAAAAAAAAAAAAAAAAAAAAAAAAAAAAAAAAAAAAAAAAAUAAAAAAAAAMDA/wAAAAAAZAAAADIAAAAAAAAAZAAAAAAAAAB/f38ACgAAACIAAAAYAAAAAAAAAAAAAAAAAAAAAAAAAAAAAAAAAAAAJAAAACQAAAAAAAAABwAAAAAAAAAAAAAAAAAAAAAAAAAAAAAAAAAAAH9/fwAlAAAAWAAAAAAAAAAAAAAAAAAAAAAAAAAAAAAAAAAAAAAAAAAAAAAAAAAAAAAAAAAAAAAAPwAAAAAAAACghgEAAAAAAAAAAAAAAAAADAAAAAEAAAAAAAAAAAAAAAAAAAAfAAAAVAAAAE+BvQX///8BAAAAAAAAAAAAAAAAAAAAAAAAAAAAAAAAAAAAAAAAAAAAAAACf39/AO7s4QPMzMwAwMD/AH9/fwAAAAAAAAAAAAAAAAD///8AAAAAACEAAAAYAAAAFAAAAAAAAAAMCwAAkjgAAIAhAAAAAAAAJgAAAAgAAAD//////////w=="/>
                 </a:ext>
               </a:extLst>
             </p:cNvPicPr>
@@ -16173,7 +16351,7 @@
             <p:cNvSpPr>
               <a:extLst>
                 <a:ext uri="smNativeData">
-                  <pr:smNativeData xmlns:pr="smNativeData" xmlns="smNativeData" val="SMDATA_15_iunWYhMAAAAlAAAAZAAAAE0AAAAAkAAAAEgAAACQAAAASAAAAAAAAAAAAAAAAAAAAAEAAABQAAAAAAAAAAAA4D8AAAAAAADgPwAAAAAAAOA/AAAAAAAA4D8AAAAAAADgPwAAAAAAAOA/AAAAAAAA4D8AAAAAAADgPwAAAAAAAOA/AAAAAAAA4D8CAAAAjAAAAAAAAAAAAAAAT4G9DP///wgAAAAAAAAAAAAAAAAAAAAAAAAAAAAAAAAAAAAAZAAAAAEAAABAAAAAAAAAAAAAAAAAAAAAAAAAAAAAAAAAAAAAAAAAAAAAAAAAAAAAAAAAAAAAAAAAAAAAAAAAAAAAAAAAAAAAAAAAAAAAAAAAAAAAAAAAAAAAAAAAAAAAFAAAADwAAAAAAAAAAAAAAAAAAAAPAAAAAQAAACMAAAAjAAAAIwAAAB4AAAAAAAAAZAAAAGQAAAAAAAAAZAAAAGQAAAAVAAAAYAAAAAAAAAAAAAAADwAAACADAAAAAAAAAAAAAAEAAACgMgAAVgcAAKr4//8BAAAAf39/AAEAAABkAAAAAAAAABQAAABAHwAAAAAAACYAAAAAAAAAwOD//wAAAAAmAAAAZAAAABYAAABMAAAAAAAAAAAAAAAEAAAAAAAAAAEAAADu7OEKAAAAACgAAAAoAAAAZAAAAGQAAAAAAAAAzMzMAAAAAABQAAAAUAAAAGQAAABkAAAAAAAAABcAAAAUAAAAAAAAAAAAAAD/fwAA/38AAAAAAAAJAAAABAAAAJQjAAAeAAAAaAAAAAAAAAAAAAAAAAAAAAAAAAAAAAAAECcAABAnAAAAAAAAAAAAAAAAAAAAAAAAAAAAAAAAAAAAAAAAAAAAABQAAAAAAAAAwMD/AAAAAABkAAAAMgAAAAAAAABkAAAAAAAAAH9/fwAKAAAAIgAAABgAAAAAAAAAAAAAAAAAAAAAAAAAAAAAAAAAAAAkAAAAJAAAAAAAAAAHAAAAAAAAAAAAAAAAAAAAAAAAAAAAAAAAAAAAf39/ACUAAABYAAAAAAAAAAAAAAAAAAAAAAAAAAAAAAAAAAAAAAAAAAAAAAAAAAAAAAAAAAAAAAA/AAAAAAAAAKCGAQAAAAAAAAAAAAAAAAAMAAAAAQAAAAAAAAAAAAAAAAAAAB8AAABUAAAAT4G9Bf///wEAAAAAAAAAAAAAAAAAAAAAAAAAAAAAAAAAAAAAAAAAAAAAAAB/f38A7uzhA8zMzADAwP8Af39/AAAAAAAAAAAAAAAAAAAAAAAAAAAAIQAAABgAAAAUAAAALAEAAIwPAADUCAAAJRMAAAAgAAAmAAAACAAAAP//////////"/>
+                  <pr:smNativeData xmlns:pr="smNativeData" xmlns="smNativeData" val="SMDATA_15_0rbXYhMAAAAlAAAAZAAAAE0AAAAAkAAAAEgAAACQAAAASAAAAAAAAAAAAAAAAAAAAAEAAABQAAAAAAAAAAAA4D8AAAAAAADgPwAAAAAAAOA/AAAAAAAA4D8AAAAAAADgPwAAAAAAAOA/AAAAAAAA4D8AAAAAAADgPwAAAAAAAOA/AAAAAAAA4D8CAAAAjAAAAAAAAAAAAAAAT4G9DP///wgAAAAAAAAAAAAAAAAAAAAAAAAAAAAAAAAAAAAAZAAAAAEAAABAAAAAAAAAAAAAAAAAAAAAAAAAAAAAAAAAAAAAAAAAAAAAAAAAAAAAAAAAAAAAAAAAAAAAAAAAAAAAAAAAAAAAAAAAAAAAAAAAAAAAAAAAAAAAAAAAAAAAFAAAADwAAAAAAAAAAAAAAAAAAAAPAAAAAQAAACMAAAAjAAAAIwAAAB4AAAAAAAAAZAAAAGQAAAAAAAAAZAAAAGQAAAAVAAAAYAAAAAAAAAAAAAAADwAAACADAAAAAAAAAAAAAAEAAACgMgAAVgcAAKr4//8BAAAAf39/AAEAAABkAAAAAAAAABQAAABAHwAAAAAAACYAAAAAAAAAwOD//wAAAAAmAAAAZAAAABYAAABMAAAAAAAAAAAAAAAEAAAAAAAAAAEAAADu7OEKAAAAACgAAAAoAAAAZAAAAGQAAAAAAAAAzMzMAAAAAABQAAAAUAAAAGQAAABkAAAAAAAAABcAAAAUAAAAAAAAAAAAAAD/fwAA/38AAAAAAAAJAAAABAAAAJQjAAAeAAAAaAAAAAAAAAAAAAAAAAAAAAAAAAAAAAAAECcAABAnAAAAAAAAAAAAAAAAAAAAAAAAAAAAAAAAAAAAAAAAAAAAABQAAAAAAAAAwMD/AAAAAABkAAAAMgAAAAAAAABkAAAAAAAAAH9/fwAKAAAAIgAAABgAAAAAAAAAAAAAAAAAAAAAAAAAAAAAAAAAAAAkAAAAJAAAAAAAAAAHAAAAAAAAAAAAAAAAAAAAAAAAAAAAAAAAAAAAf39/ACUAAABYAAAAAAAAAAAAAAAAAAAAAAAAAAAAAAAAAAAAAAAAAAAAAAAAAAAAAAAAAAAAAAA/AAAAAAAAAKCGAQAAAAAAAAAAAAAAAAAMAAAAAQAAAAAAAAAAAAAAAAAAAB8AAABUAAAAT4G9Bf///wEAAAAAAAAAAAAAAAAAAAAAAAAAAAAAAAAAAAAAAAAAAAAAAAB/f38A7uzhA8zMzADAwP8Af39/AAAAAAAAAAAAAAAAAAAAAAAAAAAAIQAAABgAAAAUAAAALAEAAIwPAADUCAAAJRMAAAAgAAAmAAAACAAAAP//////////"/>
                 </a:ext>
               </a:extLst>
             </p:cNvSpPr>
@@ -16214,7 +16392,7 @@
             <p:cNvSpPr>
               <a:extLst>
                 <a:ext uri="smNativeData">
-                  <pr:smNativeData xmlns:pr="smNativeData" xmlns="smNativeData" val="SMDATA_15_iunWYhMAAAAlAAAAZAAAAE0AAAAAkAAAAEgAAACQAAAASAAAAAAAAAAAAAAAAAAAAAEAAABQAAAAAAAAAAAA4D8AAAAAAADgPwAAAAAAAOA/AAAAAAAA4D8AAAAAAADgPwAAAAAAAOA/AAAAAAAA4D8AAAAAAADgPwAAAAAAAOA/AAAAAAAA4D8CAAAAjAAAAAEAAAAAAAAA////CP///wgAAAAAAAAAAAAAAAAAAAAAAAAAAAAAAAAAAAAAeAAAAAEAAABAAAAAAAAAAAAAAABaAAAAAAAAAAAAAAAAAAAAAAAAAAAAAAAAAAAAAAAAAAAAAAAAAAAAAAAAAAAAAAAAAAAAAAAAAAAAAAAAAAAAAAAAAAAAAAAAAAAAFAAAADwAAAAAAAAAAAAAAAAAAAAPAAAAAQAAACMAAAAjAAAAIwAAAB4AAAAAAAAAZAAAAGQAAAAAAAAAZAAAAGQAAAAVAAAAYAAAAAAAAAAAAAAADwAAACADAAAAAAAAAAAAAAEAAACgMgAAVgcAAKr4//8BAAAAf39/AAEAAABkAAAAAAAAABQAAABAHwAAAAAAACYAAAAAAAAAwOD//wAAAAAmAAAAZAAAABYAAABMAAAAAAAAAAAAAAAEAAAAAAAAAAEAAADu7OEKAAAAACgAAAAoAAAAZAAAAGQAAAAAAAAAzMzMAAAAAABQAAAAUAAAAGQAAABkAAAAAAAAABcAAAAUAAAAAAAAAAAAAAD/fwAA/38AAAAAAAAJAAAABAAAAAAAAAAeAAAAaAAAAAAAAAAAAAAAAAAAAAAAAAAAAAAAECcAABAnAAAAAAAAAAAAAAAAAAAAAAAAAAAAAAAAAAAAAAAAAAAAABQAAAAAAAAAwMD/AAAAAABkAAAAMgAAAAAAAABkAAAAAAAAAH9/fwAKAAAAIgAAABgAAAAAAAAAAAAAAAAAAAAAAAAAAAAAAAAAAAAkAAAAJAAAAAAAAAAHAAAAAAAAAAAAAAAAAAAAAAAAAAAAAAAAAAAAf39/ACUAAABYAAAAAAAAAAAAAAAAAAAAAAAAAAAAAAAAAAAAAAAAAAAAAAAAAAAAAAAAAAAAAAA/AAAAAAAAAKCGAQAAAAAAAAAAAAAAAAAMAAAAAQAAAAAAAAAAAAAAAAAAAB8AAABUAAAA////Af///wEAAAAAAAAAAAAAAAAAAAAAAAAAAAAAAAAAAAAAAAAAAAAAAAB/f38A7uzhA8zMzADAwP8Af39/AAAAAAAAAAAAAAAAAAAAAAAAAAAAIQAAABgAAAAUAAAA5BEAAKMVAADkGwAAPBkAAAAgAAAmAAAACAAAAP//////////"/>
+                  <pr:smNativeData xmlns:pr="smNativeData" xmlns="smNativeData" val="SMDATA_15_0rbXYhMAAAAlAAAAZAAAAE0AAAAAkAAAAEgAAACQAAAASAAAAAAAAAAAAAAAAAAAAAEAAABQAAAAAAAAAAAA4D8AAAAAAADgPwAAAAAAAOA/AAAAAAAA4D8AAAAAAADgPwAAAAAAAOA/AAAAAAAA4D8AAAAAAADgPwAAAAAAAOA/AAAAAAAA4D8CAAAAjAAAAAEAAAAAAAAA////CP///wgAAAAAAAAAAAAAAAAAAAAAAAAAAAAAAAAAAAAAeAAAAAEAAABAAAAAAAAAAAAAAABaAAAAAAAAAAAAAAAAAAAAAAAAAAAAAAAAAAAAAAAAAAAAAAAAAAAAAAAAAAAAAAAAAAAAAAAAAAAAAAAAAAAAAAAAAAAAAAAAAAAAFAAAADwAAAAAAAAAAAAAAAAAAAAPAAAAAQAAACMAAAAjAAAAIwAAAB4AAAAAAAAAZAAAAGQAAAAAAAAAZAAAAGQAAAAVAAAAYAAAAAAAAAAAAAAADwAAACADAAAAAAAAAAAAAAEAAACgMgAAVgcAAKr4//8BAAAAf39/AAEAAABkAAAAAAAAABQAAABAHwAAAAAAACYAAAAAAAAAwOD//wAAAAAmAAAAZAAAABYAAABMAAAAAAAAAAAAAAAEAAAAAAAAAAEAAADu7OEKAAAAACgAAAAoAAAAZAAAAGQAAAAAAAAAzMzMAAAAAABQAAAAUAAAAGQAAABkAAAAAAAAABcAAAAUAAAAAAAAAAAAAAD/fwAA/38AAAAAAAAJAAAABAAAAAAAAAAeAAAAaAAAAAAAAAAAAAAAAAAAAAAAAAAAAAAAECcAABAnAAAAAAAAAAAAAAAAAAAAAAAAAAAAAAAAAAAAAAAAAAAAABQAAAAAAAAAwMD/AAAAAABkAAAAMgAAAAAAAABkAAAAAAAAAH9/fwAKAAAAIgAAABgAAAAAAAAAAAAAAAAAAAAAAAAAAAAAAAAAAAAkAAAAJAAAAAAAAAAHAAAAAAAAAAAAAAAAAAAAAAAAAAAAAAAAAAAAf39/ACUAAABYAAAAAAAAAAAAAAAAAAAAAAAAAAAAAAAAAAAAAAAAAAAAAAAAAAAAAAAAAAAAAAA/AAAAAAAAAKCGAQAAAAAAAAAAAAAAAAAMAAAAAQAAAAAAAAAAAAAAAAAAAB8AAABUAAAA////Af///wEAAAAAAAAAAAAAAAAAAAAAAAAAAAAAAAAAAAAAAAAAAAAAAAB/f38A7uzhA8zMzADAwP8Af39/AAAAAAAAAAAAAAAAAAAAAAAAAAAAIQAAABgAAAAUAAAA5BEAAKMVAADkGwAAPBkAAAAgAAAmAAAACAAAAP//////////"/>
                 </a:ext>
               </a:extLst>
             </p:cNvSpPr>
@@ -16257,7 +16435,7 @@
             <p:cNvSpPr>
               <a:extLst>
                 <a:ext uri="smNativeData">
-                  <pr:smNativeData xmlns:pr="smNativeData" xmlns="smNativeData" val="SMDATA_15_iunWYhMAAAAlAAAAZAAAAE0AAAAAkAAAAEgAAACQAAAASAAAAAAAAAAAAAAAAAAAAAEAAABQAAAAAAAAAAAA4D8AAAAAAADgPwAAAAAAAOA/AAAAAAAA4D8AAAAAAADgPwAAAAAAAOA/AAAAAAAA4D8AAAAAAADgPwAAAAAAAOA/AAAAAAAA4D8CAAAAjAAAAAAAAAAAAAAAT4G9DP///wgAAAAAAAAAAAAAAAAAAAAAAAAAAAAAAAAAAAAAZAAAAAEAAABAAAAAAAAAAAAAAAAAAAAAAAAAAAAAAAAAAAAAAAAAAAAAAAAAAAAAAAAAAAAAAAAAAAAAAAAAAAAAAAAAAAAAAAAAAAAAAAAAAAAAAAAAAAAAAAAAAAAAFAAAADwAAAAAAAAAAAAAAAAAAAAPAAAAAQAAACMAAAAjAAAAIwAAAB4AAAAAAAAAZAAAAGQAAAAAAAAAZAAAAGQAAAAVAAAAYAAAAAAAAAAAAAAADwAAACADAAAAAAAAAAAAAAEAAACgMgAAVgcAAKr4//8BAAAAf39/AAEAAABkAAAAAAAAABQAAABAHwAAAAAAACYAAAAAAAAAwOD//wAAAAAmAAAAZAAAABYAAABMAAAAAAAAAAAAAAAEAAAAAAAAAAEAAADu7OEKAAAAACgAAAAoAAAAZAAAAGQAAAAAAAAAzMzMAAAAAABQAAAAUAAAAGQAAABkAAAAAAAAABcAAAAUAAAAAAAAAAAAAAD/fwAA/38AAAAAAAAJAAAABAAAAAAAAAAeAAAAaAAAAAAAAAAAAAAAAAAAAAAAAAAAAAAAECcAABAnAAAAAAAAAAAAAAAAAAAAAAAAAAAAAAAAAAAAAAAAAAAAABQAAAAAAAAAwMD/AAAAAABkAAAAMgAAAAAAAABkAAAAAAAAAH9/fwAKAAAAIgAAABgAAAAAAAAAAAAAAAAAAAAAAAAAAAAAAAAAAAAkAAAAJAAAAAAAAAAHAAAAAAAAAAAAAAAAAAAAAAAAAAAAAAAAAAAAf39/ACUAAABYAAAAAAAAAAAAAAAAAAAAAAAAAAAAAAAAAAAAAAAAAAAAAAAAAAAAAAAAAAAAAAA/AAAAAAAAAKCGAQAAAAAAAAAAAAAAAAAMAAAAAQAAAAAAAAAAAAAAAAAAAB8AAABUAAAAT4G9Bf///wEAAAAAAAAAAAAAAAAAAAAAAAAAAAAAAAAAAAAAAAAAAAAAAAB/f38A7uzhA8zMzADAwP8Af39/AAAAAAAAAAAAAAAAAAAAAAAAAAAAIQAAABgAAAAUAAAAaBAAAPgbAAAQGAAAkR8AAAAgAAAmAAAACAAAAP//////////"/>
+                  <pr:smNativeData xmlns:pr="smNativeData" xmlns="smNativeData" val="SMDATA_15_0rbXYhMAAAAlAAAAZAAAAE0AAAAAkAAAAEgAAACQAAAASAAAAAAAAAAAAAAAAAAAAAEAAABQAAAAAAAAAAAA4D8AAAAAAADgPwAAAAAAAOA/AAAAAAAA4D8AAAAAAADgPwAAAAAAAOA/AAAAAAAA4D8AAAAAAADgPwAAAAAAAOA/AAAAAAAA4D8CAAAAjAAAAAAAAAAAAAAAT4G9DP///wgAAAAAAAAAAAAAAAAAAAAAAAAAAAAAAAAAAAAAZAAAAAEAAABAAAAAAAAAAAAAAAAAAAAAAAAAAAAAAAAAAAAAAAAAAAAAAAAAAAAAAAAAAAAAAAAAAAAAAAAAAAAAAAAAAAAAAAAAAAAAAAAAAAAAAAAAAAAAAAAAAAAAFAAAADwAAAAAAAAAAAAAAAAAAAAPAAAAAQAAACMAAAAjAAAAIwAAAB4AAAAAAAAAZAAAAGQAAAAAAAAAZAAAAGQAAAAVAAAAYAAAAAAAAAAAAAAADwAAACADAAAAAAAAAAAAAAEAAACgMgAAVgcAAKr4//8BAAAAf39/AAEAAABkAAAAAAAAABQAAABAHwAAAAAAACYAAAAAAAAAwOD//wAAAAAmAAAAZAAAABYAAABMAAAAAAAAAAAAAAAEAAAAAAAAAAEAAADu7OEKAAAAACgAAAAoAAAAZAAAAGQAAAAAAAAAzMzMAAAAAABQAAAAUAAAAGQAAABkAAAAAAAAABcAAAAUAAAAAAAAAAAAAAD/fwAA/38AAAAAAAAJAAAABAAAAAAAAAAeAAAAaAAAAAAAAAAAAAAAAAAAAAAAAAAAAAAAECcAABAnAAAAAAAAAAAAAAAAAAAAAAAAAAAAAAAAAAAAAAAAAAAAABQAAAAAAAAAwMD/AAAAAABkAAAAMgAAAAAAAABkAAAAAAAAAH9/fwAKAAAAIgAAABgAAAAAAAAAAAAAAAAAAAAAAAAAAAAAAAAAAAAkAAAAJAAAAAAAAAAHAAAAAAAAAAAAAAAAAAAAAAAAAAAAAAAAAAAAf39/ACUAAABYAAAAAAAAAAAAAAAAAAAAAAAAAAAAAAAAAAAAAAAAAAAAAAAAAAAAAAAAAAAAAAA/AAAAAAAAAKCGAQAAAAAAAAAAAAAAAAAMAAAAAQAAAAAAAAAAAAAAAAAAAB8AAABUAAAAT4G9Bf///wEAAAAAAAAAAAAAAAAAAAAAAAAAAAAAAAAAAAAAAAAAAAAAAAB/f38A7uzhA8zMzADAwP8Af39/AAAAAAAAAAAAAAAAAAAAAAAAAAAAIQAAABgAAAAUAAAAaBAAAPgbAAAQGAAAkR8AAAAgAAAmAAAACAAAAP//////////"/>
                 </a:ext>
               </a:extLst>
             </p:cNvSpPr>
@@ -16308,7 +16486,7 @@
             <p:cNvSpPr>
               <a:extLst>
                 <a:ext uri="smNativeData">
-                  <pr:smNativeData xmlns:pr="smNativeData" xmlns="smNativeData" val="SMDATA_15_iunWYhMAAAAlAAAAZAAAAA0AAAAAkAAAAEgAAACQAAAASAAAAAAAAAABAAAAAAAAAAEAAABQAAAAAAAAAAAA4D8AAAAAAADgPwAAAAAAAOA/AAAAAAAA4D8AAAAAAADgPwAAAAAAAOA/AAAAAAAA4D8AAAAAAADgPwAAAAAAAOA/AAAAAAAA4D8CAAAAjAAAAAEAAAAAAAAA////AKbC/wAAAAAAAAAAAAAAAAAAAAAAAAAAAAAAAAAAAAAAZAAAAAEAAABAAAAAAAAAAJz///9aAAAAAAAAAAAAAAAAAAAAAAAAAAAAAAAAAAAAAAAAAAAAAAAAAAAAAAAAAAAAAAAAAAAAAAAAAAAAAAAAAAAAAAAAAAAAAAAAAAAAFAAAADwAAAABAAAAAAAAAP///wAPAAAAAQAAABQAAAAUAAAAFAAAAAEAAAAAAAAAZAAAAGQAAAAAAAAAZAAAAGQAAAAVAAAAYAAAAAAAAAAAAAAADwAAACADAAAAAAAAAAAAAAEAAACgMgAAVgcAAKr4//8BAAAAf39/AAEAAABkAAAAAAAAABQAAABAHwAAAAAAACYAAAAAAAAAwOD//wAAAAAmAAAAZAAAABYAAABMAAAAAAAAAAAAAAAEAAAAAAAAAAEAAADu7OEKAAAAACgAAAAoAAAAZAAAAGQAAAAAAAAAzMzMAAAAAABQAAAAUAAAAGQAAABkAAAAAAAAABcAAAAUAAAAAAAAAAAAAAD/fwAA/38AAAAAAAAJAAAABAAAAAAAAAAeAAAAaAAAAAAAAAAAAAAAAAAAAAAAAAAAAAAAECcAABAnAAAAAAAAAAAAAAAAAAAAAAAAAAAAAAAAAAAAAAAAAAAAABQAAAAAAAAAwMD/AAAAAABkAAAAMgAAAAAAAABkAAAAAAAAAH9/fwAKAAAAIgAAABgAAAAAAAAAAAAAAAAAAAAAAAAAAAAAAAAAAAAkAAAAJAAAAAAAAAAHAAAAAAAAAAAAAAAAAAAAAAAAAAAAAAAAAAAAf39/ACUAAABYAAAAAAAAAAAAAAAAAAAAAAAAAAAAAAAAAAAAAAAAAAAAAAAAAAAAAAAAAAAAAAA/AAAAAAAAAKCGAQAAAAAAAAAAAAAAAAAMAAAAAQAAAAAAAAAAAAAAAAAAAB8AAABUAAAA////AKbC/wAAAAAAAAAAAAAAAAAAAAAAAAAAAAAAAAAAAAAAAAAAAP///wB/f38A7uzhA8zMzADAwP8Af39/AAAAAAAAAAAAAAAAAAAAAAAAAAAAIQAAABgAAAAUAAAA7A4AAJgLAAAQGAAAhA0AAAAAAAAmAAAACAAAAP//////////"/>
+                  <pr:smNativeData xmlns:pr="smNativeData" xmlns="smNativeData" val="SMDATA_15_0rbXYhMAAAAlAAAAZAAAAA0AAAAAkAAAAEgAAACQAAAASAAAAAAAAAABAAAAAAAAAAEAAABQAAAAAAAAAAAA4D8AAAAAAADgPwAAAAAAAOA/AAAAAAAA4D8AAAAAAADgPwAAAAAAAOA/AAAAAAAA4D8AAAAAAADgPwAAAAAAAOA/AAAAAAAA4D8CAAAAjAAAAAEAAAAAAAAA////AKbC/wAAAAAAAAAAAAAAAAAAAAAAAAAAAAAAAAAAAAAAZAAAAAEAAABAAAAAAAAAAJz///9aAAAAAAAAAAAAAAAAAAAAAAAAAAAAAAAAAAAAAAAAAAAAAAAAAAAAAAAAAAAAAAAAAAAAAAAAAAAAAAAAAAAAAAAAAAAAAAAAAAAAFAAAADwAAAABAAAAAAAAAP///wAPAAAAAQAAABQAAAAUAAAAFAAAAAEAAAAAAAAAZAAAAGQAAAAAAAAAZAAAAGQAAAAVAAAAYAAAAAAAAAAAAAAADwAAACADAAAAAAAAAAAAAAEAAACgMgAAVgcAAKr4//8BAAAAf39/AAEAAABkAAAAAAAAABQAAABAHwAAAAAAACYAAAAAAAAAwOD//wAAAAAmAAAAZAAAABYAAABMAAAAAAAAAAAAAAAEAAAAAAAAAAEAAADu7OEKAAAAACgAAAAoAAAAZAAAAGQAAAAAAAAAzMzMAAAAAABQAAAAUAAAAGQAAABkAAAAAAAAABcAAAAUAAAAAAAAAAAAAAD/fwAA/38AAAAAAAAJAAAABAAAAAAAAAAeAAAAaAAAAAAAAAAAAAAAAAAAAAAAAAAAAAAAECcAABAnAAAAAAAAAAAAAAAAAAAAAAAAAAAAAAAAAAAAAAAAAAAAABQAAAAAAAAAwMD/AAAAAABkAAAAMgAAAAAAAABkAAAAAAAAAH9/fwAKAAAAIgAAABgAAAAAAAAAAAAAAAAAAAAAAAAAAAAAAAAAAAAkAAAAJAAAAAAAAAAHAAAAAAAAAAAAAAAAAAAAAAAAAAAAAAAAAAAAf39/ACUAAABYAAAAAAAAAAAAAAAAAAAAAAAAAAAAAAAAAAAAAAAAAAAAAAAAAAAAAAAAAAAAAAA/AAAAAAAAAKCGAQAAAAAAAAAAAAAAAAAMAAAAAQAAAAAAAAAAAAAAAAAAAB8AAABUAAAA////AKbC/wAAAAAAAAAAAAAAAAAAAAAAAAAAAAAAAAAAAAAAAAAAAP///wB/f38A7uzhA8zMzADAwP8Af39/AAAAAAAAAAAAAAAAAAAAAAAAAAAAIQAAABgAAAAUAAAA7A4AAJgLAAAQGAAAhA0AAAAAAAAmAAAACAAAAP//////////"/>
                 </a:ext>
               </a:extLst>
             </p:cNvSpPr>
@@ -16356,7 +16534,7 @@
           <p:cNvSpPr>
             <a:extLst>
               <a:ext uri="smNativeData">
-                <pr:smNativeData xmlns:pr="smNativeData" xmlns="smNativeData" val="SMDATA_15_iunWYhMAAAAlAAAAZAAAAA0AAAAAkAAAAEgAAACQAAAASAAAAAAAAAABAAAAAAAAAAEAAABQAAAAAAAAAAAA4D8AAAAAAADgPwAAAAAAAOA/AAAAAAAA4D8AAAAAAADgPwAAAAAAAOA/AAAAAAAA4D8AAAAAAADgPwAAAAAAAOA/AAAAAAAA4D8CAAAAjAAAAAEAAAAAAAAA////AKbC/wAAAAAAAAAAAAAAAAAAAAAAAAAAAAAAAAAAAAAAZAAAAAEAAABAAAAAAAAAAJz///9aAAAAAAAAAAAAAAAAAAAAAAAAAAAAAAAAAAAAAAAAAAAAAAAAAAAAAAAAAAAAAAAAAAAAAAAAAAAAAAAAAAAAAAAAAAAAAAAAAAAAFAAAADwAAAABAAAAAAAAAP///wAPAAAAAQAAABQAAAAUAAAAFAAAAAEAAAAAAAAAZAAAAGQAAAAAAAAAZAAAAGQAAAAVAAAAYAAAAAAAAAAAAAAADwAAACADAAAAAAAAAAAAAAEAAACgMgAAVgcAAKr4//8BAAAAf39/AAEAAABkAAAAAAAAABQAAABAHwAAAAAAACYAAAAAAAAAwOD//wAAAAAmAAAAZAAAABYAAABMAAAAAAAAAAAAAAAEAAAAAAAAAAEAAADu7OEKAAAAACgAAAAoAAAAZAAAAGQAAAAAAAAAzMzMAAAAAABQAAAAUAAAAGQAAABkAAAAAAAAABcAAAAUAAAAAAAAAAAAAAD/fwAA/38AAAAAAAAJAAAABAAAAAAAAHAeAAAAaAAAAAAAAAAAAAAAAAAAAAAAAAAAAAAAECcAABAnAAAAAAAAAAAAAAAAAAAAAAAAAAAAAAAAAAAAAAAAAAAAABQAAAAAAAAAwMD/AAAAAABkAAAAMgAAAAAAAABkAAAAAAAAAH9/fwAKAAAAIgAAABgAAAAAAAAAAAAAAAAAAAAAAAAAAAAAAAAAAAAkAAAAJAAAAAAAAAAHAAAAAAAAAAAAAAAAAAAAAAAAAAAAAAAAAAAAf39/ACUAAABYAAAAAAAAAAAAAAAAAAAAAAAAAAAAAAAAAAAAAAAAAAAAAAAAAAAAAAAAAAAAAAA/AAAAAAAAAKCGAQAAAAAAAAAAAAAAAAAMAAAAAQAAAAAAAAAAAAAAAAAAAB8AAABUAAAA////AKbC/wAAAAAAAAAAAAAAAAAAAAAAAAAAAAAAAAAAAAAAAAAAAP///wB/f38A7uzhA8zMzADAwP8Af39/AAAAAAAAAAAAAAAAAAAAAAAAAAAAIQAAABgAAAAUAAAADBIAAHURAADUHAAAYRMAABAAAAAmAAAACAAAAP//////////"/>
+                <pr:smNativeData xmlns:pr="smNativeData" xmlns="smNativeData" val="SMDATA_15_0rbXYhMAAAAlAAAAZAAAAA0AAAAAkAAAAEgAAACQAAAASAAAAAAAAAABAAAAAAAAAAEAAABQAAAAAAAAAAAA4D8AAAAAAADgPwAAAAAAAOA/AAAAAAAA4D8AAAAAAADgPwAAAAAAAOA/AAAAAAAA4D8AAAAAAADgPwAAAAAAAOA/AAAAAAAA4D8CAAAAjAAAAAEAAAAAAAAA////AKbC/wAAAAAAAAAAAAAAAAAAAAAAAAAAAAAAAAAAAAAAZAAAAAEAAABAAAAAAAAAAJz///9aAAAAAAAAAAAAAAAAAAAAAAAAAAAAAAAAAAAAAAAAAAAAAAAAAAAAAAAAAAAAAAAAAAAAAAAAAAAAAAAAAAAAAAAAAAAAAAAAAAAAFAAAADwAAAABAAAAAAAAAP///wAPAAAAAQAAABQAAAAUAAAAFAAAAAEAAAAAAAAAZAAAAGQAAAAAAAAAZAAAAGQAAAAVAAAAYAAAAAAAAAAAAAAADwAAACADAAAAAAAAAAAAAAEAAACgMgAAVgcAAKr4//8BAAAAf39/AAEAAABkAAAAAAAAABQAAABAHwAAAAAAACYAAAAAAAAAwOD//wAAAAAmAAAAZAAAABYAAABMAAAAAAAAAAAAAAAEAAAAAAAAAAEAAADu7OEKAAAAACgAAAAoAAAAZAAAAGQAAAAAAAAAzMzMAAAAAABQAAAAUAAAAGQAAABkAAAAAAAAABcAAAAUAAAAAAAAAAAAAAD/fwAA/38AAAAAAAAJAAAABAAAAAAAAHAeAAAAaAAAAAAAAAAAAAAAAAAAAAAAAAAAAAAAECcAABAnAAAAAAAAAAAAAAAAAAAAAAAAAAAAAAAAAAAAAAAAAAAAABQAAAAAAAAAwMD/AAAAAABkAAAAMgAAAAAAAABkAAAAAAAAAH9/fwAKAAAAIgAAABgAAAAAAAAAAAAAAAAAAAAAAAAAAAAAAAAAAAAkAAAAJAAAAAAAAAAHAAAAAAAAAAAAAAAAAAAAAAAAAAAAAAAAAAAAf39/ACUAAABYAAAAAAAAAAAAAAAAAAAAAAAAAAAAAAAAAAAAAAAAAAAAAAAAAAAAAAAAAAAAAAA/AAAAAAAAAKCGAQAAAAAAAAAAAAAAAAAMAAAAAQAAAAAAAAAAAAAAAAAAAB8AAABUAAAA////AKbC/wAAAAAAAAAAAAAAAAAAAAAAAAAAAAAAAAAAAAAAAAAAAP///wB/f38A7uzhA8zMzADAwP8Af39/AAAAAAAAAAAAAAAAAAAAAAAAAAAAIQAAABgAAAAUAAAADBIAAHURAADUHAAAYRMAABAAAAAmAAAACAAAAP//////////"/>
               </a:ext>
             </a:extLst>
           </p:cNvSpPr>
@@ -16436,7 +16614,7 @@
             <a:spLocks noGrp="1" noChangeArrowheads="1"/>
             <a:extLst>
               <a:ext uri="smNativeData">
-                <pr:smNativeData xmlns:pr="smNativeData" xmlns="smNativeData" val="SMDATA_15_iunWYhMAAAAlAAAAZAAAAA0AAAAAkAAAAEgAAACQAAAASAAAAAAAAAABAAAAAAAAAAEAAABQAAAAAAAAAAAA4D8AAAAAAADgPwAAAAAAAOA/AAAAAAAA4D8AAAAAAADgPwAAAAAAAOA/AAAAAAAA4D8AAAAAAADgPwAAAAAAAOA/AAAAAAAA4D8CAAAAjAAAAAAAAAAAAAAAT4G9DP///wgAAAAAAAAAAAAAAAAAAAAAAAAAAAAAAAAAAAAAZAAAAAEAAABAAAAAAAAAAAAAAAAAAAAAAAAAAAAAAAAAAAAAAAAAAAAAAAAAAAAAAAAAAAAAAAAAAAAAAAAAAAAAAAAAAAAAAAAAAAAAAAAAAAAAAAAAAAAAAAAAAAAAFAAAADwAAAAAAAAAAAAAAAAAAAkUAAAAAQAAABQAAAAUAAAAFAAAAAEAAAAAAAAAZAAAAGQAAAAAAAAAZAAAAGQAAAAVAAAAYAAAAAAAAAAAAAAADwAAACADAAAAAAAAAAAAAAEAAACgMgAAVgcAAKr4//8BAAAAf39/AAEAAABkAAAAAAAAABQAAABAHwAAAAAAACYAAAAAAAAAwOD//wAAAAAmAAAAZAAAABYAAABMAAAAAAAAAAAAAAAEAAAAAAAAAAEAAADu7OEKAAAAACgAAAAoAAAAZAAAAGQAAAAAAAAAzMzMAAAAAABQAAAAUAAAAGQAAABkAAAAAAAAABcAAAAUAAAAAAAAAAAAAAD/fwAA/38AAAAAAAAJAAAABAAAAAAAAAAeAAAAaAAAAAAAAAAAAAAAAAAAAAAAAAAAAAAAECcAABAnAAAAAAAAAAAAAAAAAAAAAAAAAAAAAAAAAAAAAAAAAAAAABQAAAAAAAAAwMD/AAAAAABkAAAAMgAAAAAAAABkAAAAAAAAAH9/fwAKAAAAIgAAABgAAAAAAAAAAAAAAAAAAAAAAAAAAAAAAAAAAAAkAAAAJAAAAAAAAAAHAAAAAAAAAAAAAAAAAAAAAAAAAAAAAAAAAAAAf39/ACUAAABYAAAAAAAAAAAAAAAAAAAAAAAAAAAAAAAAAAAAAAAAAAAAAAAAAAAAAAAAAAAAAAA/AAAAAAAAAKCGAQAAAAAAAAAAAAAAAAAMAAAAAQAAAAAAAAAAAAAAAAAAAB8AAABUAAAAT4G9Bf///wEAAAAAAAAAAAAAAAAAAAAAAAAAAAAAAAAAAAAAAAAAAAAAAAJ/f38A7uzhA8zMzADAwP8Af39/AAAAAAAAAAAAAAAAAAAAAAAAAAAAIQAAABgAAAAUAAAA0AIAALEBAABwNQAAuQgAABAAAAAmAAAACAAAAAAgAAAAAAAA"/>
+                <pr:smNativeData xmlns:pr="smNativeData" xmlns="smNativeData" val="SMDATA_15_0rbXYhMAAAAlAAAAZAAAAA0AAAAAkAAAAEgAAACQAAAASAAAAAAAAAABAAAAAAAAAAEAAABQAAAAAAAAAAAA4D8AAAAAAADgPwAAAAAAAOA/AAAAAAAA4D8AAAAAAADgPwAAAAAAAOA/AAAAAAAA4D8AAAAAAADgPwAAAAAAAOA/AAAAAAAA4D8CAAAAjAAAAAAAAAAAAAAAT4G9DP///wgAAAAAAAAAAAAAAAAAAAAAAAAAAAAAAAAAAAAAZAAAAAEAAABAAAAAAAAAAAAAAAAAAAAAAAAAAAAAAAAAAAAAAAAAAAAAAAAAAAAAAAAAAAAAAAAAAAAAAAAAAAAAAAAAAAAAAAAAAAAAAAAAAAAAAAAAAAAAAAAAAAAAFAAAADwAAAAAAAAAAAAAAAAAAAkUAAAAAQAAABQAAAAUAAAAFAAAAAEAAAAAAAAAZAAAAGQAAAAAAAAAZAAAAGQAAAAVAAAAYAAAAAAAAAAAAAAADwAAACADAAAAAAAAAAAAAAEAAACgMgAAVgcAAKr4//8BAAAAf39/AAEAAABkAAAAAAAAABQAAABAHwAAAAAAACYAAAAAAAAAwOD//wAAAAAmAAAAZAAAABYAAABMAAAAAAAAAAAAAAAEAAAAAAAAAAEAAADu7OEKAAAAACgAAAAoAAAAZAAAAGQAAAAAAAAAzMzMAAAAAABQAAAAUAAAAGQAAABkAAAAAAAAABcAAAAUAAAAAAAAAAAAAAD/fwAA/38AAAAAAAAJAAAABAAAAAAAAAAeAAAAaAAAAAAAAAAAAAAAAAAAAAAAAAAAAAAAECcAABAnAAAAAAAAAAAAAAAAAAAAAAAAAAAAAAAAAAAAAAAAAAAAABQAAAAAAAAAwMD/AAAAAABkAAAAMgAAAAAAAABkAAAAAAAAAH9/fwAKAAAAIgAAABgAAAAAAAAAAAAAAAAAAAAAAAAAAAAAAAAAAAAkAAAAJAAAAAAAAAAHAAAAAAAAAAAAAAAAAAAAAAAAAAAAAAAAAAAAf39/ACUAAABYAAAAAAAAAAAAAAAAAAAAAAAAAAAAAAAAAAAAAAAAAAAAAAAAAAAAAAAAAAAAAAA/AAAAAAAAAKCGAQAAAAAAAAAAAAAAAAAMAAAAAQAAAAAAAAAAAAAAAAAAAB8AAABUAAAAT4G9Bf///wEAAAAAAAAAAAAAAAAAAAAAAAAAAAAAAAAAAAAAAAAAAAAAAAJ/f38A7uzhA8zMzADAwP8Af39/AAAAAAAAAAAAAAAAAAAAAAAAAAAAIQAAABgAAAAUAAAA0AIAALEBAABwNQAAuQgAABAAAAAmAAAACAAAAAAgAAAAAAAA"/>
               </a:ext>
             </a:extLst>
           </p:cNvSpPr>
@@ -16475,7 +16653,7 @@
           <p:cNvGrpSpPr>
             <a:extLst>
               <a:ext uri="smNativeData">
-                <pr:smNativeData xmlns:pr="smNativeData" xmlns="smNativeData" val="SMDATA_6_iunWYhMAAAAlAAAAAQAAAA8BAAAAkAAAAEgAAACQAAAASAAAAAAAAAAAAAAAAAAAABcAAAAUAAAAAAAAAAAAAAD/fwAA/38AAAAAAAAJAAAABAAAAAAAAAAfAAAAVAAAAAAAAAAAAAAAAAAAAAAAAAAAAAAAAAAAAAAAAAAAAAAAAAAAAAAAAAAAAAAAAAAAAAAAAAAAAAAAAAAAAAAAAAAAAAAAAAAAAAAAAAAAAAAAAAAAACEAAAAYAAAAFAAAABoHAACBCQAA2i0AAL4pAAAQAAAAJgAAAAgAAAD/////AAAAAA=="/>
+                <pr:smNativeData xmlns:pr="smNativeData" xmlns="smNativeData" val="SMDATA_6_0rbXYhMAAAAlAAAAAQAAAA8BAAAAkAAAAEgAAACQAAAASAAAAAAAAAAAAAAAAAAAABcAAAAUAAAAAAAAAAAAAAD/fwAA/38AAAAAAAAJAAAABAAAAAAAAAAfAAAAVAAAAAAAAAAAAAAAAAAAAAAAAAAAAAAAAAAAAAAAAAAAAAAAAAAAAAAAAAAAAAAAAAAAAAAAAAAAAAAAAAAAAAAAAAAAAAAAAAAAAAAAAAAAAAAAAAAAACEAAAAYAAAAFAAAABoHAACBCQAA2i0AAL4pAAAQAAAAJgAAAAgAAAD/////AAAAAA=="/>
               </a:ext>
             </a:extLst>
           </p:cNvGrpSpPr>
@@ -16496,7 +16674,7 @@
               <a:picLocks noChangeAspect="1"/>
               <a:extLst>
                 <a:ext uri="smNativeData">
-                  <pr:smNativeData xmlns:pr="smNativeData" xmlns="smNativeData" val="SMDATA_17_iunWYhMAAAAlAAAAEQAAAC0AAAAAkAAAAEgAAACQAAAASAAAAAAAAAAAAAAAAAAAAAEAAABQAAAAAAAAAAAA4D8AAAAAAADgPwAAAAAAAOA/AAAAAAAA4D8AAAAAAADgPwAAAAAAAOA/AAAAAAAA4D8AAAAAAADgPwAAAAAAAOA/AAAAAAAA4D8CAAAAjAAAAAAAAAAAAAAAT4G9DP///wgAAAAAAAAAAAAAAAAAAAAAAAAAAAAAAAAAAAAAZAAAAAEAAABAAAAAAAAAAAAAAAAAAAAAAAAAAAAAAAAAAAAAAAAAAAAAAAAAAAAAAAAAAAAAAAAAAAAAAAAAAAAAAAAAAAAAAAAAAAAAAAAAAAAAAAAAAAAAAAAAAAAAFAAAADwAAAAAAAAAAAAAAAAAAAkUAAAAAQAAABQAAAAUAAAAFAAAAAEAAAAAAAAAZAAAAGQAAAAAAAAAZAAAAGQAAAAVAAAAYAAAAAAAAAAAAAAADwAAACADAAAAAAAAAAAAAAEAAACgMgAAVgcAAKr4//8BAAAAf39/AAEAAABkAAAAAAAAABQAAABAHwAAAAAAACYAAAAAAAAAwOD//wAAAAAmAAAAZAAAABYAAABMAAAAAAAAAAAAAAAEAAAAAAAAAAEAAADu7OEKAAAAACgAAAAoAAAAZAAAAGQAAAAAAAAAzMzMAAAAAABQAAAAUAAAAGQAAABkAAAAAAAAAAcAAAA4AAAAAAAAAAAAAAAAAAAA////AAAAAAAAAAAAAAAAAAAAAAAMEwAAAAAAAAAAAABkAAAAZAAAAAAAAAAjAAAABAAAAGQAAAAXAAAAFAAAAAAAAAAAAAAA/38AAP9/AAAAAAAACQAAAAQAAAAAAAAAHgAAAGgAAAAAAAAAAAAAAAAAAAAAAAAAAAAAABAnAAAQJwAAAAAAAAAAAAAAAAAAAAAAAAAAAAAAAAAAAAAAAAAAAAAUAAAAAAAAAMDA/wAAAAAAZAAAADIAAAAAAAAAZAAAAAAAAAB/f38ACgAAACIAAAAYAAAAAAAAAAAAAAAAAAAAAAAAAAAAAAAAAAAAJAAAACQAAAAAAAAABwAAAAAAAAAAAAAAAAAAAAAAAAAAAAAAAAAAAH9/fwAlAAAAWAAAAAAAAAAAAAAAAAAAAAAAAAAAAAAAAAAAAAAAAAAAAAAAAAAAAAAAAAAAAAAAPwAAAAAAAACghgEAAAAAAAAAAAAAAAAADAAAAAEAAAAAAAAAAAAAAAAAAAAfAAAAVAAAAE+BvQX///8BAAAAAAAAAAAAAAAAAAAAAAAAAAAAAAAAAAAAAAAAAAAAAAACf39/AO7s4QPMzMwAwMD/AH9/fwAAAAAAAAAAAAAAAAD///8AAAAAACEAAAAYAAAAFAAAABoHAACBCQAA2i0AAL4pAAAAAAAAJgAAAAgAAAD//////////w=="/>
+                  <pr:smNativeData xmlns:pr="smNativeData" xmlns="smNativeData" val="SMDATA_17_0rbXYhMAAAAlAAAAEQAAAC0AAAAAkAAAAEgAAACQAAAASAAAAAAAAAAAAAAAAAAAAAEAAABQAAAAAAAAAAAA4D8AAAAAAADgPwAAAAAAAOA/AAAAAAAA4D8AAAAAAADgPwAAAAAAAOA/AAAAAAAA4D8AAAAAAADgPwAAAAAAAOA/AAAAAAAA4D8CAAAAjAAAAAAAAAAAAAAAT4G9DP///wgAAAAAAAAAAAAAAAAAAAAAAAAAAAAAAAAAAAAAZAAAAAEAAABAAAAAAAAAAAAAAAAAAAAAAAAAAAAAAAAAAAAAAAAAAAAAAAAAAAAAAAAAAAAAAAAAAAAAAAAAAAAAAAAAAAAAAAAAAAAAAAAAAAAAAAAAAAAAAAAAAAAAFAAAADwAAAAAAAAAAAAAAAAAAAkUAAAAAQAAABQAAAAUAAAAFAAAAAEAAAAAAAAAZAAAAGQAAAAAAAAAZAAAAGQAAAAVAAAAYAAAAAAAAAAAAAAADwAAACADAAAAAAAAAAAAAAEAAACgMgAAVgcAAKr4//8BAAAAf39/AAEAAABkAAAAAAAAABQAAABAHwAAAAAAACYAAAAAAAAAwOD//wAAAAAmAAAAZAAAABYAAABMAAAAAAAAAAAAAAAEAAAAAAAAAAEAAADu7OEKAAAAACgAAAAoAAAAZAAAAGQAAAAAAAAAzMzMAAAAAABQAAAAUAAAAGQAAABkAAAAAAAAAAcAAAA4AAAAAAAAAAAAAAAAAAAA////AAAAAAAAAAAAAAAAAAAAAAAMEwAAAAAAAAAAAABkAAAAZAAAAAAAAAAjAAAABAAAAGQAAAAXAAAAFAAAAAAAAAAAAAAA/38AAP9/AAAAAAAACQAAAAQAAAAAAAAAHgAAAGgAAAAAAAAAAAAAAAAAAAAAAAAAAAAAABAnAAAQJwAAAAAAAAAAAAAAAAAAAAAAAAAAAAAAAAAAAAAAAAAAAAAUAAAAAAAAAMDA/wAAAAAAZAAAADIAAAAAAAAAZAAAAAAAAAB/f38ACgAAACIAAAAYAAAAAAAAAAAAAAAAAAAAAAAAAAAAAAAAAAAAJAAAACQAAAAAAAAABwAAAAAAAAAAAAAAAAAAAAAAAAAAAAAAAAAAAH9/fwAlAAAAWAAAAAAAAAAAAAAAAAAAAAAAAAAAAAAAAAAAAAAAAAAAAAAAAAAAAAAAAAAAAAAAPwAAAAAAAACghgEAAAAAAAAAAAAAAAAADAAAAAEAAAAAAAAAAAAAAAAAAAAfAAAAVAAAAE+BvQX///8BAAAAAAAAAAAAAAAAAAAAAAAAAAAAAAAAAAAAAAAAAAAAAAACf39/AO7s4QPMzMwAwMD/AH9/fwAAAAAAAAAAAAAAAAD///8AAAAAACEAAAAYAAAAFAAAABoHAACBCQAA2i0AAL4pAAAAAAAAJgAAAAgAAAD//////////w=="/>
                 </a:ext>
               </a:extLst>
             </p:cNvPicPr>
@@ -16530,7 +16708,7 @@
             <p:cNvSpPr>
               <a:extLst>
                 <a:ext uri="smNativeData">
-                  <pr:smNativeData xmlns:pr="smNativeData" xmlns="smNativeData" val="SMDATA_15_iunWYhMAAAAlAAAAZAAAAE0AAAAAkAAAAEgAAACQAAAASAAAAAAAAAAAAAAAAAAAAAEAAABQAAAAAAAAAAAA4D8AAAAAAADgPwAAAAAAAOA/AAAAAAAA4D8AAAAAAADgPwAAAAAAAOA/AAAAAAAA4D8AAAAAAADgPwAAAAAAAOA/AAAAAAAA4D8CAAAAjAAAAAAAAAAAAAAAT4G9DP///wgAAAAAAAAAAAAAAAAAAAAAAAAAAAAAAAAAAAAAZAAAAAEAAABAAAAAAAAAAAAAAAAAAAAAAAAAAAAAAAAAAAAAAAAAAAAAAAAAAAAAAAAAAAAAAAAAAAAAAAAAAAAAAAAAAAAAAAAAAAAAAAAAAAAAAAAAAAAAAAAAAAAAFAAAADwAAAAAAAAAAAAAAAAAAAAPAAAAAQAAACMAAAAjAAAAIwAAAB4AAAAAAAAAZAAAAGQAAAAAAAAAZAAAAGQAAAAVAAAAYAAAAAAAAAAAAAAADwAAACADAAAAAAAAAAAAAAEAAACgMgAAVgcAAKr4//8BAAAAf39/AAEAAABkAAAAAAAAABQAAABAHwAAAAAAACYAAAAAAAAAwOD//wAAAAAmAAAAZAAAABYAAABMAAAAAAAAAAAAAAAEAAAAAAAAAAEAAADu7OEKAAAAACgAAAAoAAAAZAAAAGQAAAAAAAAAzMzMAAAAAABQAAAAUAAAAGQAAABkAAAAAAAAABcAAAAUAAAAAAAAAAAAAAD/fwAA/38AAAAAAAAJAAAABAAAAE1BQUEeAAAAaAAAAAAAAAAAAAAAAAAAAAAAAAAAAAAAECcAABAnAAAAAAAAAAAAAAAAAAAAAAAAAAAAAAAAAAAAAAAAAAAAABQAAAAAAAAAwMD/AAAAAABkAAAAMgAAAAAAAABkAAAAAAAAAH9/fwAKAAAAIgAAABgAAAAAAAAAAAAAAAAAAAAAAAAAAAAAAAAAAAAkAAAAJAAAAAAAAAAHAAAAAAAAAAAAAAAAAAAAAAAAAAAAAAAAAAAAf39/ACUAAABYAAAAAAAAAAAAAAAAAAAAAAAAAAAAAAAAAAAAAAAAAAAAAAAAAAAAAAAAAAAAAAA/AAAAAAAAAKCGAQAAAAAAAAAAAAAAAAAMAAAAAQAAAAAAAAAAAAAAAAAAAB8AAABUAAAAT4G9Bf///wEAAAAAAAAAAAAAAAAAAAAAAAAAAAAAAAAAAAAAAAAAAAAAAAB/f38A7uzhA8zMzADAwP8Af39/AAAAAAAAAAAAAAAAAAAAAAAAAAAAIQAAABgAAAAUAAAAqwgAAPcPAADnEgAAIRUAAAAgAAAmAAAACAAAAP//////////"/>
+                  <pr:smNativeData xmlns:pr="smNativeData" xmlns="smNativeData" val="SMDATA_15_0rbXYhMAAAAlAAAAZAAAAE0AAAAAkAAAAEgAAACQAAAASAAAAAAAAAAAAAAAAAAAAAEAAABQAAAAAAAAAAAA4D8AAAAAAADgPwAAAAAAAOA/AAAAAAAA4D8AAAAAAADgPwAAAAAAAOA/AAAAAAAA4D8AAAAAAADgPwAAAAAAAOA/AAAAAAAA4D8CAAAAjAAAAAAAAAAAAAAAT4G9DP///wgAAAAAAAAAAAAAAAAAAAAAAAAAAAAAAAAAAAAAZAAAAAEAAABAAAAAAAAAAAAAAAAAAAAAAAAAAAAAAAAAAAAAAAAAAAAAAAAAAAAAAAAAAAAAAAAAAAAAAAAAAAAAAAAAAAAAAAAAAAAAAAAAAAAAAAAAAAAAAAAAAAAAFAAAADwAAAAAAAAAAAAAAAAAAAAPAAAAAQAAACMAAAAjAAAAIwAAAB4AAAAAAAAAZAAAAGQAAAAAAAAAZAAAAGQAAAAVAAAAYAAAAAAAAAAAAAAADwAAACADAAAAAAAAAAAAAAEAAACgMgAAVgcAAKr4//8BAAAAf39/AAEAAABkAAAAAAAAABQAAABAHwAAAAAAACYAAAAAAAAAwOD//wAAAAAmAAAAZAAAABYAAABMAAAAAAAAAAAAAAAEAAAAAAAAAAEAAADu7OEKAAAAACgAAAAoAAAAZAAAAGQAAAAAAAAAzMzMAAAAAABQAAAAUAAAAGQAAABkAAAAAAAAABcAAAAUAAAAAAAAAAAAAAD/fwAA/38AAAAAAAAJAAAABAAAAE1BQUEeAAAAaAAAAAAAAAAAAAAAAAAAAAAAAAAAAAAAECcAABAnAAAAAAAAAAAAAAAAAAAAAAAAAAAAAAAAAAAAAAAAAAAAABQAAAAAAAAAwMD/AAAAAABkAAAAMgAAAAAAAABkAAAAAAAAAH9/fwAKAAAAIgAAABgAAAAAAAAAAAAAAAAAAAAAAAAAAAAAAAAAAAAkAAAAJAAAAAAAAAAHAAAAAAAAAAAAAAAAAAAAAAAAAAAAAAAAAAAAf39/ACUAAABYAAAAAAAAAAAAAAAAAAAAAAAAAAAAAAAAAAAAAAAAAAAAAAAAAAAAAAAAAAAAAAA/AAAAAAAAAKCGAQAAAAAAAAAAAAAAAAAMAAAAAQAAAAAAAAAAAAAAAAAAAB8AAABUAAAAT4G9Bf///wEAAAAAAAAAAAAAAAAAAAAAAAAAAAAAAAAAAAAAAAAAAAAAAAB/f38A7uzhA8zMzADAwP8Af39/AAAAAAAAAAAAAAAAAAAAAAAAAAAAIQAAABgAAAAUAAAAqwgAAPcPAADnEgAAIRUAAAAgAAAmAAAACAAAAP//////////"/>
                 </a:ext>
               </a:extLst>
             </p:cNvSpPr>
@@ -16571,7 +16749,7 @@
             <p:cNvSpPr>
               <a:extLst>
                 <a:ext uri="smNativeData">
-                  <pr:smNativeData xmlns:pr="smNativeData" xmlns="smNativeData" val="SMDATA_15_iunWYhMAAAAlAAAAZAAAAE0AAAAAkAAAAEgAAACQAAAASAAAAAAAAAAAAAAAAAAAAAEAAABQAAAAAAAAAAAA4D8AAAAAAADgPwAAAAAAAOA/AAAAAAAA4D8AAAAAAADgPwAAAAAAAOA/AAAAAAAA4D8AAAAAAADgPwAAAAAAAOA/AAAAAAAA4D8CAAAAjAAAAAEAAAAAAAAA////CP///wgAAAAAAAAAAAAAAAAAAAAAAAAAAAAAAAAAAAAAeAAAAAEAAABAAAAAAAAAAAAAAABaAAAAAAAAAAAAAAAAAAAAAAAAAAAAAAAAAAAAAAAAAAAAAAAAAAAAAAAAAAAAAAAAAAAAAAAAAAAAAAAAAAAAAAAAAAAAAAAAAAAAFAAAADwAAAAAAAAAAAAAAAAAAAAPAAAAAQAAACMAAAAjAAAAIwAAAB4AAAAAAAAAZAAAAGQAAAAAAAAAZAAAAGQAAAAVAAAAYAAAAAAAAAAAAAAADwAAACADAAAAAAAAAAAAAAEAAACgMgAAVgcAAKr4//8BAAAAf39/AAEAAABkAAAAAAAAABQAAABAHwAAAAAAACYAAAAAAAAAwOD//wAAAAAmAAAAZAAAABYAAABMAAAAAAAAAAAAAAAEAAAAAAAAAAEAAADu7OEKAAAAACgAAAAoAAAAZAAAAGQAAAAAAAAAzMzMAAAAAABQAAAAUAAAAGQAAABkAAAAAAAAABcAAAAUAAAAAAAAAAAAAAD/fwAA/38AAAAAAAAJAAAABAAAAEEAQQAeAAAAaAAAAAAAAAAAAAAAAAAAAAAAAAAAAAAAECcAABAnAAAAAAAAAAAAAAAAAAAAAAAAAAAAAAAAAAAAAAAAAAAAABQAAAAAAAAAwMD/AAAAAABkAAAAMgAAAAAAAABkAAAAAAAAAH9/fwAKAAAAIgAAABgAAAAAAAAAAAAAAAAAAAAAAAAAAAAAAAAAAAAkAAAAJAAAAAAAAAAHAAAAAAAAAAAAAAAAAAAAAAAAAAAAAAAAAAAAf39/ACUAAABYAAAAAAAAAAAAAAAAAAAAAAAAAAAAAAAAAAAAAAAAAAAAAAAAAAAAAAAAAAAAAAA/AAAAAAAAAKCGAQAAAAAAAAAAAAAAAAAMAAAAAQAAAAAAAAAAAAAAAAAAAB8AAABUAAAA////Af///wEAAAAAAAAAAAAAAAAAAAAAAAAAAAAAAAAAAAAAAAAAAAAAAAB/f38A7uzhA8zMzADAwP8Af39/AAAAAAAAAAAAAAAAAAAAAAAAAAAAIQAAABgAAAAUAAAABR8AALUYAABkLAAA4B0AAAAgAAAmAAAACAAAAP//////////"/>
+                  <pr:smNativeData xmlns:pr="smNativeData" xmlns="smNativeData" val="SMDATA_15_0rbXYhMAAAAlAAAAZAAAAE0AAAAAkAAAAEgAAACQAAAASAAAAAAAAAAAAAAAAAAAAAEAAABQAAAAAAAAAAAA4D8AAAAAAADgPwAAAAAAAOA/AAAAAAAA4D8AAAAAAADgPwAAAAAAAOA/AAAAAAAA4D8AAAAAAADgPwAAAAAAAOA/AAAAAAAA4D8CAAAAjAAAAAEAAAAAAAAA////CP///wgAAAAAAAAAAAAAAAAAAAAAAAAAAAAAAAAAAAAAeAAAAAEAAABAAAAAAAAAAAAAAABaAAAAAAAAAAAAAAAAAAAAAAAAAAAAAAAAAAAAAAAAAAAAAAAAAAAAAAAAAAAAAAAAAAAAAAAAAAAAAAAAAAAAAAAAAAAAAAAAAAAAFAAAADwAAAAAAAAAAAAAAAAAAAAPAAAAAQAAACMAAAAjAAAAIwAAAB4AAAAAAAAAZAAAAGQAAAAAAAAAZAAAAGQAAAAVAAAAYAAAAAAAAAAAAAAADwAAACADAAAAAAAAAAAAAAEAAACgMgAAVgcAAKr4//8BAAAAf39/AAEAAABkAAAAAAAAABQAAABAHwAAAAAAACYAAAAAAAAAwOD//wAAAAAmAAAAZAAAABYAAABMAAAAAAAAAAAAAAAEAAAAAAAAAAEAAADu7OEKAAAAACgAAAAoAAAAZAAAAGQAAAAAAAAAzMzMAAAAAABQAAAAUAAAAGQAAABkAAAAAAAAABcAAAAUAAAAAAAAAAAAAAD/fwAA/38AAAAAAAAJAAAABAAAAEEAQQAeAAAAaAAAAAAAAAAAAAAAAAAAAAAAAAAAAAAAECcAABAnAAAAAAAAAAAAAAAAAAAAAAAAAAAAAAAAAAAAAAAAAAAAABQAAAAAAAAAwMD/AAAAAABkAAAAMgAAAAAAAABkAAAAAAAAAH9/fwAKAAAAIgAAABgAAAAAAAAAAAAAAAAAAAAAAAAAAAAAAAAAAAAkAAAAJAAAAAAAAAAHAAAAAAAAAAAAAAAAAAAAAAAAAAAAAAAAAAAAf39/ACUAAABYAAAAAAAAAAAAAAAAAAAAAAAAAAAAAAAAAAAAAAAAAAAAAAAAAAAAAAAAAAAAAAA/AAAAAAAAAKCGAQAAAAAAAAAAAAAAAAAMAAAAAQAAAAAAAAAAAAAAAAAAAB8AAABUAAAA////Af///wEAAAAAAAAAAAAAAAAAAAAAAAAAAAAAAAAAAAAAAAAAAAAAAAB/f38A7uzhA8zMzADAwP8Af39/AAAAAAAAAAAAAAAAAAAAAAAAAAAAIQAAABgAAAAUAAAABR8AALUYAABkLAAA4B0AAAAgAAAmAAAACAAAAP//////////"/>
                 </a:ext>
               </a:extLst>
             </p:cNvSpPr>
@@ -16614,7 +16792,7 @@
             <p:cNvSpPr>
               <a:extLst>
                 <a:ext uri="smNativeData">
-                  <pr:smNativeData xmlns:pr="smNativeData" xmlns="smNativeData" val="SMDATA_15_iunWYhMAAAAlAAAAZAAAAE0AAAAAkAAAAEgAAACQAAAASAAAAAAAAAAAAAAAAAAAAAEAAABQAAAAAAAAAAAA4D8AAAAAAADgPwAAAAAAAOA/AAAAAAAA4D8AAAAAAADgPwAAAAAAAOA/AAAAAAAA4D8AAAAAAADgPwAAAAAAAOA/AAAAAAAA4D8CAAAAjAAAAAAAAAAAAAAAT4G9DP///wgAAAAAAAAAAAAAAAAAAAAAAAAAAAAAAAAAAAAAZAAAAAEAAABAAAAAAAAAAAAAAAAAAAAAAAAAAAAAAAAAAAAAAAAAAAAAAAAAAAAAAAAAAAAAAAAAAAAAAAAAAAAAAAAAAAAAAAAAAAAAAAAAAAAAAAAAAAAAAAAAAAAAFAAAADwAAAAAAAAAAAAAAAAAAAAPAAAAAQAAACMAAAAjAAAAIwAAAB4AAAAAAAAAZAAAAGQAAAAAAAAAZAAAAGQAAAAVAAAAYAAAAAAAAAAAAAAADwAAACADAAAAAAAAAAAAAAEAAACgMgAAVgcAAKr4//8BAAAAf39/AAEAAABkAAAAAAAAABQAAABAHwAAAAAAACYAAAAAAAAAwOD//wAAAAAmAAAAZAAAABYAAABMAAAAAAAAAAAAAAAEAAAAAAAAAAEAAADu7OEKAAAAACgAAAAoAAAAZAAAAGQAAAAAAAAAzMzMAAAAAABQAAAAUAAAAGQAAABkAAAAAAAAABcAAAAUAAAAAAAAAAAAAAD/fwAA/38AAAAAAAAJAAAABAAAAAAAAAAeAAAAaAAAAAAAAAAAAAAAAAAAAAAAAAAAAAAAECcAABAnAAAAAAAAAAAAAAAAAAAAAAAAAAAAAAAAAAAAAAAAAAAAABQAAAAAAAAAwMD/AAAAAABkAAAAMgAAAAAAAABkAAAAAAAAAH9/fwAKAAAAIgAAABgAAAAAAAAAAAAAAAAAAAAAAAAAAAAAAAAAAAAkAAAAJAAAAAAAAAAHAAAAAAAAAAAAAAAAAAAAAAAAAAAAAAAAAAAAf39/ACUAAABYAAAAAAAAAAAAAAAAAAAAAAAAAAAAAAAAAAAAAAAAAAAAAAAAAAAAAAAAAAAAAAA/AAAAAAAAAKCGAQAAAAAAAAAAAAAAAAAMAAAAAQAAAAAAAAAAAAAAAAAAAB8AAABUAAAAT4G9Bf///wEAAAAAAAAAAAAAAAAAAAAAAAAAAAAAAAAAAAAAAAAAAAAAAAB/f38A7uzhA8zMzADAwP8Af39/AAAAAAAAAAAAAAAAAAAAAAAAAAAAIQAAABgAAAAUAAAACR0AAM0hAABFJwAA9yYAAAAgAAAmAAAACAAAAP//////////"/>
+                  <pr:smNativeData xmlns:pr="smNativeData" xmlns="smNativeData" val="SMDATA_15_0rbXYhMAAAAlAAAAZAAAAE0AAAAAkAAAAEgAAACQAAAASAAAAAAAAAAAAAAAAAAAAAEAAABQAAAAAAAAAAAA4D8AAAAAAADgPwAAAAAAAOA/AAAAAAAA4D8AAAAAAADgPwAAAAAAAOA/AAAAAAAA4D8AAAAAAADgPwAAAAAAAOA/AAAAAAAA4D8CAAAAjAAAAAAAAAAAAAAAT4G9DP///wgAAAAAAAAAAAAAAAAAAAAAAAAAAAAAAAAAAAAAZAAAAAEAAABAAAAAAAAAAAAAAAAAAAAAAAAAAAAAAAAAAAAAAAAAAAAAAAAAAAAAAAAAAAAAAAAAAAAAAAAAAAAAAAAAAAAAAAAAAAAAAAAAAAAAAAAAAAAAAAAAAAAAFAAAADwAAAAAAAAAAAAAAAAAAAAPAAAAAQAAACMAAAAjAAAAIwAAAB4AAAAAAAAAZAAAAGQAAAAAAAAAZAAAAGQAAAAVAAAAYAAAAAAAAAAAAAAADwAAACADAAAAAAAAAAAAAAEAAACgMgAAVgcAAKr4//8BAAAAf39/AAEAAABkAAAAAAAAABQAAABAHwAAAAAAACYAAAAAAAAAwOD//wAAAAAmAAAAZAAAABYAAABMAAAAAAAAAAAAAAAEAAAAAAAAAAEAAADu7OEKAAAAACgAAAAoAAAAZAAAAGQAAAAAAAAAzMzMAAAAAABQAAAAUAAAAGQAAABkAAAAAAAAABcAAAAUAAAAAAAAAAAAAAD/fwAA/38AAAAAAAAJAAAABAAAAAAAAAAeAAAAaAAAAAAAAAAAAAAAAAAAAAAAAAAAAAAAECcAABAnAAAAAAAAAAAAAAAAAAAAAAAAAAAAAAAAAAAAAAAAAAAAABQAAAAAAAAAwMD/AAAAAABkAAAAMgAAAAAAAABkAAAAAAAAAH9/fwAKAAAAIgAAABgAAAAAAAAAAAAAAAAAAAAAAAAAAAAAAAAAAAAkAAAAJAAAAAAAAAAHAAAAAAAAAAAAAAAAAAAAAAAAAAAAAAAAAAAAf39/ACUAAABYAAAAAAAAAAAAAAAAAAAAAAAAAAAAAAAAAAAAAAAAAAAAAAAAAAAAAAAAAAAAAAA/AAAAAAAAAKCGAQAAAAAAAAAAAAAAAAAMAAAAAQAAAAAAAAAAAAAAAAAAAB8AAABUAAAAT4G9Bf///wEAAAAAAAAAAAAAAAAAAAAAAAAAAAAAAAAAAAAAAAAAAAAAAAB/f38A7uzhA8zMzADAwP8Af39/AAAAAAAAAAAAAAAAAAAAAAAAAAAAIQAAABgAAAAUAAAACR0AAM0hAABFJwAA9yYAAAAgAAAmAAAACAAAAP//////////"/>
                 </a:ext>
               </a:extLst>
             </p:cNvSpPr>
@@ -16665,7 +16843,7 @@
             <p:cNvSpPr>
               <a:extLst>
                 <a:ext uri="smNativeData">
-                  <pr:smNativeData xmlns:pr="smNativeData" xmlns="smNativeData" val="SMDATA_15_iunWYhMAAAAlAAAAZAAAAA0AAAAAkAAAAEgAAACQAAAASAAAAAAAAAABAAAAAAAAAAEAAABQAAAAAAAAAAAA4D8AAAAAAADgPwAAAAAAAOA/AAAAAAAA4D8AAAAAAADgPwAAAAAAAOA/AAAAAAAA4D8AAAAAAADgPwAAAAAAAOA/AAAAAAAA4D8CAAAAjAAAAAEAAAAAAAAA////AKbC/wAAAAAAAAAAAAAAAAAAAAAAAAAAAAAAAAAAAAAAZAAAAAEAAABAAAAAAAAAAJz///9aAAAAAAAAAAAAAAAAAAAAAAAAAAAAAAAAAAAAAAAAAAAAAAAAAAAAAAAAAAAAAAAAAAAAAAAAAAAAAAAAAAAAAAAAAAAAAAAAAAAAFAAAADwAAAABAAAAAAAAAP///wAPAAAAAQAAABQAAAAUAAAAFAAAAAEAAAAAAAAAZAAAAGQAAAAAAAAAZAAAAGQAAAAVAAAAYAAAAAAAAAAAAAAADwAAACADAAAAAAAAAAAAAAEAAACgMgAAVgcAAKr4//8BAAAAf39/AAEAAABkAAAAAAAAABQAAABAHwAAAAAAACYAAAAAAAAAwOD//wAAAAAmAAAAZAAAABYAAABMAAAAAAAAAAAAAAAEAAAAAAAAAAEAAADu7OEKAAAAACgAAAAoAAAAZAAAAGQAAAAAAAAAzMzMAAAAAABQAAAAUAAAAGQAAABkAAAAAAAAABcAAAAUAAAAAAAAAAAAAAD/fwAA/38AAAAAAAAJAAAABAAAAAAAAAAeAAAAaAAAAAAAAAAAAAAAAAAAAAAAAAAAAAAAECcAABAnAAAAAAAAAAAAAAAAAAAAAAAAAAAAAAAAAAAAAAAAAAAAABQAAAAAAAAAwMD/AAAAAABkAAAAMgAAAAAAAABkAAAAAAAAAH9/fwAKAAAAIgAAABgAAAAAAAAAAAAAAAAAAAAAAAAAAAAAAAAAAAAkAAAAJAAAAAAAAAAHAAAAAAAAAAAAAAAAAAAAAAAAAAAAAAAAAAAAf39/ACUAAABYAAAAAAAAAAAAAAAAAAAAAAAAAAAAAAAAAAAAAAAAAAAAAAAAAAAAAAAAAAAAAAA/AAAAAAAAAKCGAQAAAAAAAAAAAAAAAAAMAAAAAQAAAAAAAAAAAAAAAAAAAB8AAABUAAAA////AKbC/wAAAAAAAAAAAAAAAAAAAAAAAAAAAAAAAAAAAAAAAAAAAP///wB/f38A7uzhA8zMzADAwP8Af39/AAAAAAAAAAAAAAAAAAAAAAAAAAAAIQAAABgAAAAUAAAADRsAAEoKAABFJwAADQ0AAAAAAAAmAAAACAAAAP//////////"/>
+                  <pr:smNativeData xmlns:pr="smNativeData" xmlns="smNativeData" val="SMDATA_15_0rbXYhMAAAAlAAAAZAAAAA0AAAAAkAAAAEgAAACQAAAASAAAAAAAAAABAAAAAAAAAAEAAABQAAAAAAAAAAAA4D8AAAAAAADgPwAAAAAAAOA/AAAAAAAA4D8AAAAAAADgPwAAAAAAAOA/AAAAAAAA4D8AAAAAAADgPwAAAAAAAOA/AAAAAAAA4D8CAAAAjAAAAAEAAAAAAAAA////AKbC/wAAAAAAAAAAAAAAAAAAAAAAAAAAAAAAAAAAAAAAZAAAAAEAAABAAAAAAAAAAJz///9aAAAAAAAAAAAAAAAAAAAAAAAAAAAAAAAAAAAAAAAAAAAAAAAAAAAAAAAAAAAAAAAAAAAAAAAAAAAAAAAAAAAAAAAAAAAAAAAAAAAAFAAAADwAAAABAAAAAAAAAP///wAPAAAAAQAAABQAAAAUAAAAFAAAAAEAAAAAAAAAZAAAAGQAAAAAAAAAZAAAAGQAAAAVAAAAYAAAAAAAAAAAAAAADwAAACADAAAAAAAAAAAAAAEAAACgMgAAVgcAAKr4//8BAAAAf39/AAEAAABkAAAAAAAAABQAAABAHwAAAAAAACYAAAAAAAAAwOD//wAAAAAmAAAAZAAAABYAAABMAAAAAAAAAAAAAAAEAAAAAAAAAAEAAADu7OEKAAAAACgAAAAoAAAAZAAAAGQAAAAAAAAAzMzMAAAAAABQAAAAUAAAAGQAAABkAAAAAAAAABcAAAAUAAAAAAAAAAAAAAD/fwAA/38AAAAAAAAJAAAABAAAAAAAAAAeAAAAaAAAAAAAAAAAAAAAAAAAAAAAAAAAAAAAECcAABAnAAAAAAAAAAAAAAAAAAAAAAAAAAAAAAAAAAAAAAAAAAAAABQAAAAAAAAAwMD/AAAAAABkAAAAMgAAAAAAAABkAAAAAAAAAH9/fwAKAAAAIgAAABgAAAAAAAAAAAAAAAAAAAAAAAAAAAAAAAAAAAAkAAAAJAAAAAAAAAAHAAAAAAAAAAAAAAAAAAAAAAAAAAAAAAAAAAAAf39/ACUAAABYAAAAAAAAAAAAAAAAAAAAAAAAAAAAAAAAAAAAAAAAAAAAAAAAAAAAAAAAAAAAAAA/AAAAAAAAAKCGAQAAAAAAAAAAAAAAAAAMAAAAAQAAAAAAAAAAAAAAAAAAAB8AAABUAAAA////AKbC/wAAAAAAAAAAAAAAAAAAAAAAAAAAAAAAAAAAAAAAAAAAAP///wB/f38A7uzhA8zMzADAwP8Af39/AAAAAAAAAAAAAAAAAAAAAAAAAAAAIQAAABgAAAAUAAAADRsAAEoKAABFJwAADQ0AAAAAAAAmAAAACAAAAP//////////"/>
                 </a:ext>
               </a:extLst>
             </p:cNvSpPr>
@@ -16713,7 +16891,7 @@
           <p:cNvSpPr>
             <a:extLst>
               <a:ext uri="smNativeData">
-                <pr:smNativeData xmlns:pr="smNativeData" xmlns="smNativeData" val="SMDATA_15_iunWYhMAAAAlAAAAZAAAAA0AAAAAkAAAAEgAAACQAAAASAAAAAAAAAABAAAAAAAAAAEAAABQAAAAAAAAAAAA4D8AAAAAAADgPwAAAAAAAOA/AAAAAAAA4D8AAAAAAADgPwAAAAAAAOA/AAAAAAAA4D8AAAAAAADgPwAAAAAAAOA/AAAAAAAA4D8CAAAAjAAAAAEAAAAAAAAA////AKbC/wAAAAAAAAAAAAAAAAAAAAAAAAAAAAAAAAAAAAAAZAAAAAEAAABAAAAAAAAAAJz///9aAAAAAAAAAAAAAAAAAAAAAAAAAAAAAAAAAAAAAAAAAAAAAAAAAAAAAAAAAAAAAAAAAAAAAAAAAAAAAAAAAAAAAAAAAAAAAAAAAAAAFAAAADwAAAABAAAAAAAAAP///wAPAAAAAQAAABQAAAAUAAAAFAAAAAEAAAAAAAAAZAAAAGQAAAAAAAAAZAAAAGQAAAAVAAAAYAAAAAAAAAAAAAAADwAAACADAAAAAAAAAAAAAAEAAACgMgAAVgcAAKr4//8BAAAAf39/AAEAAABkAAAAAAAAABQAAABAHwAAAAAAACYAAAAAAAAAwOD//wAAAAAmAAAAZAAAABYAAABMAAAAAAAAAAAAAAAEAAAAAAAAAAEAAADu7OEKAAAAACgAAAAoAAAAZAAAAGQAAAAAAAAAzMzMAAAAAABQAAAAUAAAAGQAAABkAAAAAAAAABcAAAAUAAAAAAAAAAAAAAD/fwAA/38AAAAAAAAJAAAABAAAAAAAAAAeAAAAaAAAAAAAAAAAAAAAAAAAAAAAAAAAAAAAECcAABAnAAAAAAAAAAAAAAAAAAAAAAAAAAAAAAAAAAAAAAAAAAAAABQAAAAAAAAAwMD/AAAAAABkAAAAMgAAAAAAAABkAAAAAAAAAH9/fwAKAAAAIgAAABgAAAAAAAAAAAAAAAAAAAAAAAAAAAAAAAAAAAAkAAAAJAAAAAAAAAAHAAAAAAAAAAAAAAAAAAAAAAAAAAAAAAAAAAAAf39/ACUAAABYAAAAAAAAAAAAAAAAAAAAAAAAAAAAAAAAAAAAAAAAAAAAAAAAAAAAAAAAAAAAAAA/AAAAAAAAAKCGAQAAAAAAAAAAAAAAAAAMAAAAAQAAAAAAAAAAAAAAAAAAAB8AAABUAAAA////AKbC/wAAAAAAAAAAAAAAAAAAAAAAAAAAAAAAAAAAAAAAAAAAAP///wB/f38A7uzhA8zMzADAwP8Af39/AAAAAAAAAAAAAAAAAAAAAAAAAAAAIQAAABgAAAAUAAAABR8AABwRAAD8MAAAhBcAABAAAAAmAAAACAAAAP//////////"/>
+                <pr:smNativeData xmlns:pr="smNativeData" xmlns="smNativeData" val="SMDATA_15_0rbXYhMAAAAlAAAAZAAAAA0AAAAAkAAAAEgAAACQAAAASAAAAAAAAAABAAAAAAAAAAEAAABQAAAAAAAAAAAA4D8AAAAAAADgPwAAAAAAAOA/AAAAAAAA4D8AAAAAAADgPwAAAAAAAOA/AAAAAAAA4D8AAAAAAADgPwAAAAAAAOA/AAAAAAAA4D8CAAAAjAAAAAEAAAAAAAAA////AKbC/wAAAAAAAAAAAAAAAAAAAAAAAAAAAAAAAAAAAAAAZAAAAAEAAABAAAAAAAAAAJz///9aAAAAAAAAAAAAAAAAAAAAAAAAAAAAAAAAAAAAAAAAAAAAAAAAAAAAAAAAAAAAAAAAAAAAAAAAAAAAAAAAAAAAAAAAAAAAAAAAAAAAFAAAADwAAAABAAAAAAAAAP///wAPAAAAAQAAABQAAAAUAAAAFAAAAAEAAAAAAAAAZAAAAGQAAAAAAAAAZAAAAGQAAAAVAAAAYAAAAAAAAAAAAAAADwAAACADAAAAAAAAAAAAAAEAAACgMgAAVgcAAKr4//8BAAAAf39/AAEAAABkAAAAAAAAABQAAABAHwAAAAAAACYAAAAAAAAAwOD//wAAAAAmAAAAZAAAABYAAABMAAAAAAAAAAAAAAAEAAAAAAAAAAEAAADu7OEKAAAAACgAAAAoAAAAZAAAAGQAAAAAAAAAzMzMAAAAAABQAAAAUAAAAGQAAABkAAAAAAAAABcAAAAUAAAAAAAAAAAAAAD/fwAA/38AAAAAAAAJAAAABAAAAAAAAAAeAAAAaAAAAAAAAAAAAAAAAAAAAAAAAAAAAAAAECcAABAnAAAAAAAAAAAAAAAAAAAAAAAAAAAAAAAAAAAAAAAAAAAAABQAAAAAAAAAwMD/AAAAAABkAAAAMgAAAAAAAABkAAAAAAAAAH9/fwAKAAAAIgAAABgAAAAAAAAAAAAAAAAAAAAAAAAAAAAAAAAAAAAkAAAAJAAAAAAAAAAHAAAAAAAAAAAAAAAAAAAAAAAAAAAAAAAAAAAAf39/ACUAAABYAAAAAAAAAAAAAAAAAAAAAAAAAAAAAAAAAAAAAAAAAAAAAAAAAAAAAAAAAAAAAAA/AAAAAAAAAKCGAQAAAAAAAAAAAAAAAAAMAAAAAQAAAAAAAAAAAAAAAAAAAB8AAABUAAAA////AKbC/wAAAAAAAAAAAAAAAAAAAAAAAAAAAAAAAAAAAAAAAAAAAP///wB/f38A7uzhA8zMzADAwP8Af39/AAAAAAAAAAAAAAAAAAAAAAAAAAAAIQAAABgAAAAUAAAABR8AABwRAAD8MAAAhBcAABAAAAAmAAAACAAAAP//////////"/>
               </a:ext>
             </a:extLst>
           </p:cNvSpPr>
@@ -16793,7 +16971,7 @@
             <a:spLocks noGrp="1" noChangeArrowheads="1"/>
             <a:extLst>
               <a:ext uri="smNativeData">
-                <pr:smNativeData xmlns:pr="smNativeData" xmlns="smNativeData" val="SMDATA_15_iunWYhMAAAAlAAAAZAAAAA0AAAAAkAAAAEgAAACQAAAASAAAAAAAAAABAAAAAAAAAAEAAABQAAAAAAAAAAAA4D8AAAAAAADgPwAAAAAAAOA/AAAAAAAA4D8AAAAAAADgPwAAAAAAAOA/AAAAAAAA4D8AAAAAAADgPwAAAAAAAOA/AAAAAAAA4D8CAAAAjAAAAAAAAAAAAAAAT4G9DP///wgAAAAAAAAAAAAAAAAAAAAAAAAAAAAAAAAAAAAAZAAAAAEAAABAAAAAAAAAAAAAAAAAAAAAAAAAAAAAAAAAAAAAAAAAAAAAAAAAAAAAAAAAAAAAAAAAAAAAAAAAAAAAAAAAAAAAAAAAAAAAAAAAAAAAAAAAAAAAAAAAAAAAFAAAADwAAAAAAAAAAAAAAAAAAAkUAAAAAQAAABQAAAAUAAAAFAAAAAEAAAAAAAAAZAAAAGQAAAAAAAAAZAAAAGQAAAAVAAAAYAAAAAAAAAAAAAAADwAAACADAAAAAAAAAAAAAAEAAACgMgAAVgcAAKr4//8BAAAAf39/AAEAAABkAAAAAAAAABQAAABAHwAAAAAAACYAAAAAAAAAwOD//wAAAAAmAAAAZAAAABYAAABMAAAAAAAAAAAAAAAEAAAAAAAAAAEAAADu7OEKAAAAACgAAAAoAAAAZAAAAGQAAAAAAAAAzMzMAAAAAABQAAAAUAAAAGQAAABkAAAAAAAAABcAAAAUAAAAAAAAAAAAAAD/fwAA/38AAAAAAAAJAAAABAAAAD7o2aweAAAAaAAAAAAAAAAAAAAAAAAAAAAAAAAAAAAAECcAABAnAAAAAAAAAAAAAAAAAAAAAAAAAAAAAAAAAAAAAAAAAAAAABQAAAAAAAAAwMD/AAAAAABkAAAAMgAAAAAAAABkAAAAAAAAAH9/fwAKAAAAIgAAABgAAAAAAAAAAAAAAAAAAAAAAAAAAAAAAAAAAAAkAAAAJAAAAAAAAAAHAAAAAAAAAAAAAAAAAAAAAAAAAAAAAAAAAAAAf39/ACUAAABYAAAAAAAAAAAAAAAAAAAAAAAAAAAAAAAAAAAAAAAAAAAAAAAAAAAAAAAAAAAAAAA/AAAAAAAAAKCGAQAAAAAAAAAAAAAAAAAMAAAAAQAAAAAAAAAAAAAAAAAAAB8AAABUAAAAT4G9Bf///wEAAAAAAAAAAAAAAAAAAAAAAAAAAAAAAAAAAAAAAAAAAAAAAAJ/f38A7uzhA8zMzADAwP8Af39/AAAAAAAAAAAAAAAAAAAAAAAAAAAAIQAAABgAAAAUAAAA0AIAALEBAABwNQAAuQgAABAAAAAmAAAACAAAAAAgAAAAAAAA"/>
+                <pr:smNativeData xmlns:pr="smNativeData" xmlns="smNativeData" val="SMDATA_15_0rbXYhMAAAAlAAAAZAAAAA0AAAAAkAAAAEgAAACQAAAASAAAAAAAAAABAAAAAAAAAAEAAABQAAAAAAAAAAAA4D8AAAAAAADgPwAAAAAAAOA/AAAAAAAA4D8AAAAAAADgPwAAAAAAAOA/AAAAAAAA4D8AAAAAAADgPwAAAAAAAOA/AAAAAAAA4D8CAAAAjAAAAAAAAAAAAAAAT4G9DP///wgAAAAAAAAAAAAAAAAAAAAAAAAAAAAAAAAAAAAAZAAAAAEAAABAAAAAAAAAAAAAAAAAAAAAAAAAAAAAAAAAAAAAAAAAAAAAAAAAAAAAAAAAAAAAAAAAAAAAAAAAAAAAAAAAAAAAAAAAAAAAAAAAAAAAAAAAAAAAAAAAAAAAFAAAADwAAAAAAAAAAAAAAAAAAAkUAAAAAQAAABQAAAAUAAAAFAAAAAEAAAAAAAAAZAAAAGQAAAAAAAAAZAAAAGQAAAAVAAAAYAAAAAAAAAAAAAAADwAAACADAAAAAAAAAAAAAAEAAACgMgAAVgcAAKr4//8BAAAAf39/AAEAAABkAAAAAAAAABQAAABAHwAAAAAAACYAAAAAAAAAwOD//wAAAAAmAAAAZAAAABYAAABMAAAAAAAAAAAAAAAEAAAAAAAAAAEAAADu7OEKAAAAACgAAAAoAAAAZAAAAGQAAAAAAAAAzMzMAAAAAABQAAAAUAAAAGQAAABkAAAAAAAAABcAAAAUAAAAAAAAAAAAAAD/fwAA/38AAAAAAAAJAAAABAAAAD7o2aweAAAAaAAAAAAAAAAAAAAAAAAAAAAAAAAAAAAAECcAABAnAAAAAAAAAAAAAAAAAAAAAAAAAAAAAAAAAAAAAAAAAAAAABQAAAAAAAAAwMD/AAAAAABkAAAAMgAAAAAAAABkAAAAAAAAAH9/fwAKAAAAIgAAABgAAAAAAAAAAAAAAAAAAAAAAAAAAAAAAAAAAAAkAAAAJAAAAAAAAAAHAAAAAAAAAAAAAAAAAAAAAAAAAAAAAAAAAAAAf39/ACUAAABYAAAAAAAAAAAAAAAAAAAAAAAAAAAAAAAAAAAAAAAAAAAAAAAAAAAAAAAAAAAAAAA/AAAAAAAAAKCGAQAAAAAAAAAAAAAAAAAMAAAAAQAAAAAAAAAAAAAAAAAAAB8AAABUAAAAT4G9Bf///wEAAAAAAAAAAAAAAAAAAAAAAAAAAAAAAAAAAAAAAAAAAAAAAAJ/f38A7uzhA8zMzADAwP8Af39/AAAAAAAAAAAAAAAAAAAAAAAAAAAAIQAAABgAAAAUAAAA0AIAALEBAABwNQAAuQgAABAAAAAmAAAACAAAAAAgAAAAAAAA"/>
               </a:ext>
             </a:extLst>
           </p:cNvSpPr>
@@ -16833,7 +17011,7 @@
             <a:picLocks noChangeAspect="1"/>
             <a:extLst>
               <a:ext uri="smNativeData">
-                <pr:smNativeData xmlns:pr="smNativeData" xmlns="smNativeData" val="SMDATA_17_iunWYhMAAAAlAAAAEQAAAC0AAAAAkAAAAEgAAACQAAAASAAAAAAAAAAAAAAAAAAAAAEAAABQAAAAAAAAAAAA4D8AAAAAAADgPwAAAAAAAOA/AAAAAAAA4D8AAAAAAADgPwAAAAAAAOA/AAAAAAAA4D8AAAAAAADgPwAAAAAAAOA/AAAAAAAA4D8CAAAAjAAAAAAAAAAAAAAAT4G9DP///wgAAAAAAAAAAAAAAAAAAAAAAAAAAAAAAAAAAAAAZAAAAAEAAABAAAAAAAAAAAAAAAAAAAAAAAAAAAAAAAAAAAAAAAAAAAAAAAAAAAAAAAAAAAAAAAAAAAAAAAAAAAAAAAAAAAAAAAAAAAAAAAAAAAAAAAAAAAAAAAAAAAAAFAAAADwAAAAAAAAAAAAAAAAAAAkUAAAAAQAAABQAAAAUAAAAFAAAAAEAAAAAAAAAZAAAAGQAAAAAAAAAZAAAAGQAAAAVAAAAYAAAAAAAAAAAAAAADwAAACADAAAAAAAAAAAAAAEAAACgMgAAVgcAAKr4//8BAAAAf39/AAEAAABkAAAAAAAAABQAAABAHwAAAAAAACYAAAAAAAAAwOD//wAAAAAmAAAAZAAAABYAAABMAAAAAAAAAAAAAAAEAAAAAAAAAAEAAADu7OEKAAAAACgAAAAoAAAAZAAAAGQAAAAAAAAAzMzMAAAAAABQAAAAUAAAAGQAAABkAAAAAAAAAAcAAAA4AAAAAAAAAAAAAAAAAAAA////AAAAAAAAAAAAAAAAAAAAAAAAAAAAAAAAAAAAAABkAAAAZAAAAAAAAAAjAAAABAAAAGQAAAAXAAAAFAAAAAAAAAAAAAAA/38AAP9/AAAAAAAACQAAAAQAAAAAAAAAHgAAAGgAAAAAAAAAAAAAAAAAAAAAAAAAAAAAABAnAAAQJwAAAAAAAAAAAAAAAAAAAAAAAAAAAAAAAAAAAAAAAAAAAAAUAAAAAAAAAMDA/wAAAAAAZAAAADIAAAAAAAAAZAAAAAAAAAB/f38ACgAAACIAAAAYAAAAAAAAAAAAAAAAAAAAAAAAAAAAAAAAAAAAJAAAACQAAAAAAAAABwAAAAAAAAAAAAAAAAAAAAAAAAAAAAAAAAAAAH9/fwAlAAAAWAAAAAAAAAAAAAAAAAAAAAAAAAAAAAAAAAAAAAAAAAAAAAAAAAAAAAAAAAAAAAAAPwAAAAAAAACghgEAAAAAAAAAAAAAAAAADAAAAAEAAAAAAAAAAAAAAAAAAAAfAAAAVAAAAE+BvQX///8BAAAAAAAAAAAAAAAAAAAAAAAAAAAAAAAAAAAAAAAAAAAAAAACf39/AO7s4QPMzMwAwMD/AH9/fwAAAAAAAAAAAAAAAAD///8AAAAAACEAAAAYAAAAFAAAAAAAAACOCgAAfDgAAAgqAAAQAAAAJgAAAAgAAAD//////////w=="/>
+                <pr:smNativeData xmlns:pr="smNativeData" xmlns="smNativeData" val="SMDATA_17_0rbXYhMAAAAlAAAAEQAAAC0AAAAAkAAAAEgAAACQAAAASAAAAAAAAAAAAAAAAAAAAAEAAABQAAAAAAAAAAAA4D8AAAAAAADgPwAAAAAAAOA/AAAAAAAA4D8AAAAAAADgPwAAAAAAAOA/AAAAAAAA4D8AAAAAAADgPwAAAAAAAOA/AAAAAAAA4D8CAAAAjAAAAAAAAAAAAAAAT4G9DP///wgAAAAAAAAAAAAAAAAAAAAAAAAAAAAAAAAAAAAAZAAAAAEAAABAAAAAAAAAAAAAAAAAAAAAAAAAAAAAAAAAAAAAAAAAAAAAAAAAAAAAAAAAAAAAAAAAAAAAAAAAAAAAAAAAAAAAAAAAAAAAAAAAAAAAAAAAAAAAAAAAAAAAFAAAADwAAAAAAAAAAAAAAAAAAAkUAAAAAQAAABQAAAAUAAAAFAAAAAEAAAAAAAAAZAAAAGQAAAAAAAAAZAAAAGQAAAAVAAAAYAAAAAAAAAAAAAAADwAAACADAAAAAAAAAAAAAAEAAACgMgAAVgcAAKr4//8BAAAAf39/AAEAAABkAAAAAAAAABQAAABAHwAAAAAAACYAAAAAAAAAwOD//wAAAAAmAAAAZAAAABYAAABMAAAAAAAAAAAAAAAEAAAAAAAAAAEAAADu7OEKAAAAACgAAAAoAAAAZAAAAGQAAAAAAAAAzMzMAAAAAABQAAAAUAAAAGQAAABkAAAAAAAAAAcAAAA4AAAAAAAAAAAAAAAAAAAA////AAAAAAAAAAAAAAAAAAAAAAAAAAAAAAAAAAAAAABkAAAAZAAAAAAAAAAjAAAABAAAAGQAAAAXAAAAFAAAAAAAAAAAAAAA/38AAP9/AAAAAAAACQAAAAQAAAAAAAAAHgAAAGgAAAAAAAAAAAAAAAAAAAAAAAAAAAAAABAnAAAQJwAAAAAAAAAAAAAAAAAAAAAAAAAAAAAAAAAAAAAAAAAAAAAUAAAAAAAAAMDA/wAAAAAAZAAAADIAAAAAAAAAZAAAAAAAAAB/f38ACgAAACIAAAAYAAAAAAAAAAAAAAAAAAAAAAAAAAAAAAAAAAAAJAAAACQAAAAAAAAABwAAAAAAAAAAAAAAAAAAAAAAAAAAAAAAAAAAAH9/fwAlAAAAWAAAAAAAAAAAAAAAAAAAAAAAAAAAAAAAAAAAAAAAAAAAAAAAAAAAAAAAAAAAAAAAPwAAAAAAAACghgEAAAAAAAAAAAAAAAAADAAAAAEAAAAAAAAAAAAAAAAAAAAfAAAAVAAAAE+BvQX///8BAAAAAAAAAAAAAAAAAAAAAAAAAAAAAAAAAAAAAAAAAAAAAAACf39/AO7s4QPMzMwAwMD/AH9/fwAAAAAAAAAAAAAAAAD///8AAAAAACEAAAAYAAAAFAAAAAAAAACOCgAAfDgAAAgqAAAQAAAAJgAAAAgAAAD//////////w=="/>
               </a:ext>
             </a:extLst>
           </p:cNvPicPr>

--- a/COME_courses/Cambridge_2022/6_Bayesian_inference/RevBayesIntro.pptx
+++ b/COME_courses/Cambridge_2022/6_Bayesian_inference/RevBayesIntro.pptx
@@ -34,24 +34,27 @@
     <p:sldId id="306" r:id="rId32"/>
     <p:sldId id="305" r:id="rId33"/>
     <p:sldId id="304" r:id="rId34"/>
-    <p:sldId id="307" r:id="rId35"/>
-    <p:sldId id="299" r:id="rId36"/>
-    <p:sldId id="308" r:id="rId37"/>
-    <p:sldId id="277" r:id="rId38"/>
-    <p:sldId id="278" r:id="rId39"/>
-    <p:sldId id="279" r:id="rId40"/>
-    <p:sldId id="280" r:id="rId41"/>
-    <p:sldId id="281" r:id="rId42"/>
-    <p:sldId id="282" r:id="rId43"/>
-    <p:sldId id="283" r:id="rId44"/>
-    <p:sldId id="284" r:id="rId45"/>
-    <p:sldId id="285" r:id="rId46"/>
-    <p:sldId id="288" r:id="rId47"/>
-    <p:sldId id="289" r:id="rId48"/>
-    <p:sldId id="292" r:id="rId49"/>
-    <p:sldId id="294" r:id="rId50"/>
-    <p:sldId id="295" r:id="rId51"/>
-    <p:sldId id="287" r:id="rId52"/>
+    <p:sldId id="310" r:id="rId35"/>
+    <p:sldId id="307" r:id="rId36"/>
+    <p:sldId id="312" r:id="rId37"/>
+    <p:sldId id="311" r:id="rId38"/>
+    <p:sldId id="299" r:id="rId39"/>
+    <p:sldId id="308" r:id="rId40"/>
+    <p:sldId id="277" r:id="rId41"/>
+    <p:sldId id="278" r:id="rId42"/>
+    <p:sldId id="279" r:id="rId43"/>
+    <p:sldId id="280" r:id="rId44"/>
+    <p:sldId id="281" r:id="rId45"/>
+    <p:sldId id="282" r:id="rId46"/>
+    <p:sldId id="283" r:id="rId47"/>
+    <p:sldId id="284" r:id="rId48"/>
+    <p:sldId id="285" r:id="rId49"/>
+    <p:sldId id="288" r:id="rId50"/>
+    <p:sldId id="289" r:id="rId51"/>
+    <p:sldId id="292" r:id="rId52"/>
+    <p:sldId id="294" r:id="rId53"/>
+    <p:sldId id="295" r:id="rId54"/>
+    <p:sldId id="287" r:id="rId55"/>
   </p:sldIdLst>
   <p:sldSz cx="9144000" cy="6858000"/>
   <p:notesSz cx="6858000" cy="9144000"/>
@@ -282,7 +285,7 @@
             <a:spLocks noGrp="1" noChangeArrowheads="1"/>
             <a:extLst>
               <a:ext uri="smNativeData">
-                <pr:smNativeData xmlns:pr="smNativeData" xmlns="smNativeData" val="SMDATA_15_0rbXYhMAAAAlAAAAZAAAAA0AAAAAkAAAAEgAAACQAAAASAAAAAAAAAABAAAAAAAAAAEAAABQAAAAAAAAAAAA4D8AAAAAAADgPwAAAAAAAOA/AAAAAAAA4D8AAAAAAADgPwAAAAAAAOA/AAAAAAAA4D8AAAAAAADgPwAAAAAAAOA/AAAAAAAA4D8CAAAAjAAAAAAAAAAAAAAAT4G9DP///wgAAAAAAAAAAAAAAAAAAAAAAAAAAAAAAAAAAAAAZAAAAAEAAABAAAAAAAAAAAAAAAAAAAAAAAAAAAAAAAAAAAAAAAAAAAAAAAAAAAAAAAAAAAAAAAAAAAAAAAAAAAAAAAAAAAAAAAAAAAAAAAAAAAAAAAAAAAAAAAAAAAAAFAAAADwAAAAAAAAAAAAAAAAAAAkUAAAAAQAAABQAAAAUAAAAFAAAAAEAAAAAAAAAZAAAAGQAAAAAAAAAZAAAAGQAAAAVAAAAYAAAAAAAAAAAAAAADwAAACADAAAAAAAAAAAAAAEAAACgMgAAVgcAAKr4//8BAAAAf39/AAEAAABkAAAAAAAAABQAAABAHwAAAAAAACYAAAAAAAAAwOD//wAAAAAmAAAAZAAAABYAAABMAAAAAAAAAAAAAAAEAAAAAAAAAAEAAADu7OEKAAAAACgAAAAoAAAAZAAAAGQAAAAAAAAAzMzMAAAAAABQAAAAUAAAAGQAAABkAAAAAAAAABcAAAAUAAAAAAAAAAAAAAD/fwAA/38AAAAAAAAJAAAABAAAADAwIiAeAAAAaAAAAAAAAAAAAAAAAAAAAAAAAAAAAAAAECcAABAnAAAAAAAAAAAAAAAAAAAAAAAAAAAAAAAAAAAAAAAAAAAAABQAAAAAAAAAwMD/AAAAAABkAAAAMgAAAAAAAABkAAAAAAAAAH9/fwAKAAAAIgAAABgAAAAAAAAAAAAAAAAAAAAAAAAAAAAAAAAAAAAkAAAAJAAAAAAAAAAHAAAAAAAAAAAAAAAAAAAAAAAAAAAAAAAAAAAAf39/ACUAAABYAAAAAAAAAAAAAAAAAAAAAAAAAAAAAAAAAAAAAAAAAAAAAAAAAAAAAAAAAAAAAAA/AAAAAAAAAKCGAQAAAAAAAAAAAAAAAAAMAAAAAQAAAAAAAAAAAAAAAAAAAB8AAABUAAAAAAAABQAAAAEAAAAAAAAAAAAAAAAAAAAAAAAAAAAAAAAAAAAAAAAAAAAAAAJ/f38AAAAAA8zMzADAwP8Af39/AAAAAAAAAAAAAAAAAAAAAAAAAAAAIQAAABgAAAAUAAAAOAQAABsNAAAINAAAJhYAABAAAAAmAAAACAAAAAEAAAAAAAAA"/>
+                <pr:smNativeData xmlns:pr="smNativeData" xmlns="smNativeData" val="SMDATA_15_kWHaYhMAAAAlAAAAZAAAAA0AAAAAkAAAAEgAAACQAAAASAAAAAAAAAABAAAAAAAAAAEAAABQAAAAAAAAAAAA4D8AAAAAAADgPwAAAAAAAOA/AAAAAAAA4D8AAAAAAADgPwAAAAAAAOA/AAAAAAAA4D8AAAAAAADgPwAAAAAAAOA/AAAAAAAA4D8CAAAAjAAAAAEAAAAAAAAA5ubmAP///wgAAAAAAAAAAAAAAAAAAAAAAAAAAAAAAAAAAAAAeAAAAAEAAABAAAAAAAAAAAAAAABaAAAAAAAAAAAAAAAAAAAAAAAAAAAAAAAAAAAAAAAAAAAAAAAAAAAAAAAAAAAAAAAAAAAAAAAAAAAAAAAAAAAAAAAAAAAAAAAAAAAAFAAAADwAAAAAAAAAAAAAAAAAAAkUAAAAAQAAABQAAAAUAAAAFAAAAAEAAAAAAAAAZAAAAGQAAAAAAAAAZAAAAGQAAAAVAAAAYAAAAAAAAAAAAAAADwAAACADAAAAAAAAAAAAAAEAAACgMgAAVgcAAKr4//8BAAAAf39/AAEAAABkAAAAAAAAABQAAABAHwAAAAAAACYAAAAAAAAAwOD//wAAAAAmAAAAZAAAABYAAABMAAAAAAAAAAAAAAAEAAAAAAAAAAEAAADu7OEKAAAAACgAAAAoAAAAZAAAAGQAAAAAAAAAzMzMAAAAAABQAAAAUAAAAGQAAABkAAAAAAAAABcAAAAUAAAAAAAAAAAAAAD/fwAA/38AAAAAAAAJAAAABAAAADAwIiAeAAAAaAAAAAAAAAAAAAAAAAAAAAAAAAAAAAAAECcAABAnAAAAAAAAAAAAAAAAAAAAAAAAAAAAAAAAAAAAAAAAAAAAABQAAAAAAAAAwMD/AAAAAABkAAAAMgAAAAAAAABkAAAAAAAAAH9/fwAKAAAAIgAAABgAAAAAAAAAAAAAAAAAAAAAAAAAAAAAAAAAAAAkAAAAJAAAAAAAAAAHAAAAAAAAAAAAAAAAAAAAAAAAAAAAAAAAAAAAf39/ACUAAABYAAAAAAAAAAAAAAAAAAAAAAAAAAAAAAAAAAAAAAAAAAAAAAAAAAAAAAAAAAAAAAA/AAAAAAAAAKCGAQAAAAAAAAAAAAAAAAAMAAAAAQAAAAAAAAAAAAAAAAAAAB8AAABUAAAA5ubmAP///wEAAAAAAAAAAAAAAAAAAAAAAAAAAAAAAAAAAAAAAAAAAAAAAAJ/f38A7uzhA8zMzADAwP8Af39/AAAAAAAAAAAAAAAAAAAAAAAAAAAAIQAAABgAAAAUAAAAOAQAABsNAAAINAAAJhYAABAAAAAmAAAACAAAAAEAAAAAAAAA"/>
               </a:ext>
             </a:extLst>
           </p:cNvSpPr>
@@ -316,7 +319,7 @@
             <a:spLocks noGrp="1" noChangeArrowheads="1"/>
             <a:extLst>
               <a:ext uri="smNativeData">
-                <pr:smNativeData xmlns:pr="smNativeData" xmlns="smNativeData" val="SMDATA_15_0rbXYhMAAAAlAAAAZAAAAA0AAAAAkAAAAEgAAACQAAAASAAAAAAAAAAAAAAAAAAAAAEAAABQAAAAAAAAAAAA4D8AAAAAAADgPwAAAAAAAOA/AAAAAAAA4D8AAAAAAADgPwAAAAAAAOA/AAAAAAAA4D8AAAAAAADgPwAAAAAAAOA/AAAAAAAA4D8CAAAAjAAAAAAAAAAAAAAAT4G9DP///wgAAAAAAAAAAAAAAAAAAAAAAAAAAAAAAAAAAAAAZAAAAAEAAABAAAAAAAAAAAAAAAAAAAAAAAAAAAAAAAAAAAAAAAAAAAAAAAAAAAAAAAAAAAAAAAAAAAAAAAAAAAAAAAAAAAAAAAAAAAAAAAAAAAAAAAAAAAAAAAAAAAAAFAAAADwAAAAAAAAAAAAAAAAAAAkUAAAAAQAAABQAAAAUAAAAFAAAAAEAAAAAAAAAZAAAAGQAAAAAAAAAZAAAAGQAAAAVAAAAYAAAAAAAAAAAAAAADwAAACADAAAAAAAAAAAAAAEAAACgMgAAVgcAAKr4//8BAAAAf39/AAEAAABkAAAAAAAAABQAAABAHwAAAAAAACYAAAAAAAAAwOD//wAAAAAmAAAAZAAAABYAAABMAAAAAAAAAAAAAAAEAAAAAAAAAAEAAADu7OEKAAAAACgAAAAoAAAAZAAAAGQAAAAAAAAAzMzMAAAAAABQAAAAUAAAAGQAAABkAAAAAAAAABcAAAAUAAAAAAAAAAAAAAD/fwAA/38AAAAAAAAJAAAABAAAAAAAAAEeAAAAaAAAAAAAAAAAAAAAAAAAAAAAAAAAAAAAECcAABAnAAAAAAAAAAAAAAAAAAAAAAAAAAAAAAAAAAAAAAAAAAAAABQAAAAAAAAAwMD/AAAAAABkAAAAMgAAAAAAAABkAAAAAAAAAH9/fwAKAAAAIgAAABgAAAAAAAAAAAAAAAAAAAAAAAAAAAAAAAAAAAAkAAAAJAAAAAAAAAAHAAAAAAAAAAAAAAAAAAAAAAAAAAAAAAAAAAAAf39/ACUAAABYAAAAAAAAAAAAAAAAAAAAAAAAAAAAAAAAAAAAAAAAAAAAAAAAAAAAAAAAAAAAAAA/AAAAAAAAAKCGAQAAAAAAAAAAAAAAAAAMAAAAAQAAAAAAAAAAAAAAAAAAAB8AAABUAAAAAAAABQAAAAEAAAAAAAAAAAAAAAAAAAAAAAAAAAAAAAAAAAAAAAAAAAAAAAJ/f38AAAAAA8zMzADAwP8Af39/AAAAAAAAAAAAAAAAAAAAAAAAAAAAIQAAABgAAAAUAAAAcAgAAOgXAADQLwAAsCIAABAAAAAmAAAACAAAAAGAAAAAAAAA"/>
+                <pr:smNativeData xmlns:pr="smNativeData" xmlns="smNativeData" val="SMDATA_15_kWHaYhMAAAAlAAAAZAAAAA0AAAAAkAAAAEgAAACQAAAASAAAAAAAAAAAAAAAAAAAAAEAAABQAAAAAAAAAAAA4D8AAAAAAADgPwAAAAAAAOA/AAAAAAAA4D8AAAAAAADgPwAAAAAAAOA/AAAAAAAA4D8AAAAAAADgPwAAAAAAAOA/AAAAAAAA4D8CAAAAjAAAAAAAAAAAAAAAT4G9DP///wgAAAAAAAAAAAAAAAAAAAAAAAAAAAAAAAAAAAAAZAAAAAEAAABAAAAAAAAAAAAAAAAAAAAAAAAAAAAAAAAAAAAAAAAAAAAAAAAAAAAAAAAAAAAAAAAAAAAAAAAAAAAAAAAAAAAAAAAAAAAAAAAAAAAAAAAAAAAAAAAAAAAAFAAAADwAAAAAAAAAAAAAAAAAAAkUAAAAAQAAABQAAAAUAAAAFAAAAAEAAAAAAAAAZAAAAGQAAAAAAAAAZAAAAGQAAAAVAAAAYAAAAAAAAAAAAAAADwAAACADAAAAAAAAAAAAAAEAAACgMgAAVgcAAKr4//8BAAAAf39/AAEAAABkAAAAAAAAABQAAABAHwAAAAAAACYAAAAAAAAAwOD//wAAAAAmAAAAZAAAABYAAABMAAAAAAAAAAAAAAAEAAAAAAAAAAEAAADu7OEKAAAAACgAAAAoAAAAZAAAAGQAAAAAAAAAzMzMAAAAAABQAAAAUAAAAGQAAABkAAAAAAAAABcAAAAUAAAAAAAAAAAAAAD/fwAA/38AAAAAAAAJAAAABAAAAAAAAAEeAAAAaAAAAAAAAAAAAAAAAAAAAAAAAAAAAAAAECcAABAnAAAAAAAAAAAAAAAAAAAAAAAAAAAAAAAAAAAAAAAAAAAAABQAAAAAAAAAwMD/AAAAAABkAAAAMgAAAAAAAABkAAAAAAAAAH9/fwAKAAAAIgAAABgAAAAAAAAAAAAAAAAAAAAAAAAAAAAAAAAAAAAkAAAAJAAAAAAAAAAHAAAAAAAAAAAAAAAAAAAAAAAAAAAAAAAAAAAAf39/ACUAAABYAAAAAAAAAAAAAAAAAAAAAAAAAAAAAAAAAAAAAAAAAAAAAAAAAAAAAAAAAAAAAAA/AAAAAAAAAKCGAQAAAAAAAAAAAAAAAAAMAAAAAQAAAAAAAAAAAAAAAAAAAB8AAABUAAAAT4G9Bf///wEAAAAAAAAAAAAAAAAAAAAAAAAAAAAAAAAAAAAAAAAAAAAAAAJ/f38A7uzhA8zMzADAwP8Af39/AAAAAAAAAAAAAAAAAAAAAAAAAAAAIQAAABgAAAAUAAAAcAgAAOgXAADQLwAAsCIAABAAAAAmAAAACAAAAAGAAAAAAAAA"/>
               </a:ext>
             </a:extLst>
           </p:cNvSpPr>
@@ -423,7 +426,7 @@
             <a:spLocks noGrp="1" noChangeArrowheads="1"/>
             <a:extLst>
               <a:ext uri="smNativeData">
-                <pr:smNativeData xmlns:pr="smNativeData" xmlns="smNativeData" val="SMDATA_15_0rbXYhMAAAAlAAAAZAAAAA0AAAAAkAAAAEgAAACQAAAASAAAAAAAAAABAAAAAAAAAAEAAABQAAAAAAAAAAAA4D8AAAAAAADgPwAAAAAAAOA/AAAAAAAA4D8AAAAAAADgPwAAAAAAAOA/AAAAAAAA4D8AAAAAAADgPwAAAAAAAOA/AAAAAAAA4D8CAAAAjAAAAAAAAAAAAAAAT4G9DP///wgAAAAAAAAAAAAAAAAAAAAAAAAAAAAAAAAAAAAAZAAAAAEAAABAAAAAAAAAAAAAAAAAAAAAAAAAAAAAAAAAAAAAAAAAAAAAAAAAAAAAAAAAAAAAAAAAAAAAAAAAAAAAAAAAAAAAAAAAAAAAAAAAAAAAAAAAAAAAAAAAAAAAFAAAADwAAAAAAAAAAAAAAAAAAAkUAAAAAQAAABQAAAAUAAAAFAAAAAEAAAAAAAAAZAAAAGQAAAAAAAAAZAAAAGQAAAAVAAAAYAAAAAAAAAAAAAAADwAAACADAAAAAAAAAAAAAAEAAACgMgAAVgcAAKr4//8BAAAAf39/AAEAAABkAAAAAAAAABQAAABAHwAAAAAAACYAAAAAAAAAwOD//wAAAAAmAAAAZAAAABYAAABMAAAAAAAAAAAAAAAEAAAAAAAAAAEAAADu7OEKAAAAACgAAAAoAAAAZAAAAGQAAAAAAAAAzMzMAAAAAABQAAAAUAAAAGQAAABkAAAAAAAAABcAAAAUAAAAAAAAAAAAAAD/fwAA/38AAAAAAAAJAAAABAAAAAAAAAEeAAAAaAAAAAAAAAAAAAAAAAAAAAAAAAAAAAAAECcAABAnAAAAAAAAAAAAAAAAAAAAAAAAAAAAAAAAAAAAAAAAAAAAABQAAAAAAAAAwMD/AAAAAABkAAAAMgAAAAAAAABkAAAAAAAAAH9/fwAKAAAAIgAAABgAAAAAAAAAAAAAAAAAAAAAAAAAAAAAAAAAAAAkAAAAJAAAAAAAAAAHAAAAAAAAAAAAAAAAAAAAAAAAAAAAAAAAAAAAf39/ACUAAABYAAAAAAAAAAAAAAAAAAAAAAAAAAAAAAAAAAAAAAAAAAAAAAAAAAAAAAAAAAAAAAA/AAAAAAAAAKCGAQAAAAAAAAAAAAAAAAAMAAAAAQAAAAAAAAAAAAAAAAAAAB8AAABUAAAAAAAABQAAAAEAAAAAAAAAAAAAAAAAAAAAAAAAAAAAAAAAAAAAAAAAAAAAAAJ/f38AAAAAA8zMzADAwP8Af39/AAAAAAAAAAAAAAAAAAAAAAAAAAAAIQAAABgAAAAUAAAA0AIAABonAADwDwAAWSkAABAAAAAmAAAACAAAAAAAAAAAAAAA"/>
+                <pr:smNativeData xmlns:pr="smNativeData" xmlns="smNativeData" val="SMDATA_15_kWHaYhMAAAAlAAAAZAAAAA0AAAAAkAAAAEgAAACQAAAASAAAAAAAAAABAAAAAAAAAAEAAABQAAAAAAAAAAAA4D8AAAAAAADgPwAAAAAAAOA/AAAAAAAA4D8AAAAAAADgPwAAAAAAAOA/AAAAAAAA4D8AAAAAAADgPwAAAAAAAOA/AAAAAAAA4D8CAAAAjAAAAAAAAAAAAAAAT4G9DP///wgAAAAAAAAAAAAAAAAAAAAAAAAAAAAAAAAAAAAAZAAAAAEAAABAAAAAAAAAAAAAAAAAAAAAAAAAAAAAAAAAAAAAAAAAAAAAAAAAAAAAAAAAAAAAAAAAAAAAAAAAAAAAAAAAAAAAAAAAAAAAAAAAAAAAAAAAAAAAAAAAAAAAFAAAADwAAAAAAAAAAAAAAAAAAAkUAAAAAQAAABQAAAAUAAAAFAAAAAEAAAAAAAAAZAAAAGQAAAAAAAAAZAAAAGQAAAAVAAAAYAAAAAAAAAAAAAAADwAAACADAAAAAAAAAAAAAAEAAACgMgAAVgcAAKr4//8BAAAAf39/AAEAAABkAAAAAAAAABQAAABAHwAAAAAAACYAAAAAAAAAwOD//wAAAAAmAAAAZAAAABYAAABMAAAAAAAAAAAAAAAEAAAAAAAAAAEAAADu7OEKAAAAACgAAAAoAAAAZAAAAGQAAAAAAAAAzMzMAAAAAABQAAAAUAAAAGQAAABkAAAAAAAAABcAAAAUAAAAAAAAAAAAAAD/fwAA/38AAAAAAAAJAAAABAAAAAAAAAEeAAAAaAAAAAAAAAAAAAAAAAAAAAAAAAAAAAAAECcAABAnAAAAAAAAAAAAAAAAAAAAAAAAAAAAAAAAAAAAAAAAAAAAABQAAAAAAAAAwMD/AAAAAABkAAAAMgAAAAAAAABkAAAAAAAAAH9/fwAKAAAAIgAAABgAAAAAAAAAAAAAAAAAAAAAAAAAAAAAAAAAAAAkAAAAJAAAAAAAAAAHAAAAAAAAAAAAAAAAAAAAAAAAAAAAAAAAAAAAf39/ACUAAABYAAAAAAAAAAAAAAAAAAAAAAAAAAAAAAAAAAAAAAAAAAAAAAAAAAAAAAAAAAAAAAA/AAAAAAAAAKCGAQAAAAAAAAAAAAAAAAAMAAAAAQAAAAAAAAAAAAAAAAAAAB8AAABUAAAAT4G9Bf///wEAAAAAAAAAAAAAAAAAAAAAAAAAAAAAAAAAAAAAAAAAAAAAAAJ/f38A7uzhA8zMzADAwP8Af39/AAAAAAAAAAAAAAAAAAAAAAAAAAAAIQAAABgAAAAUAAAA0AIAABonAADwDwAAWSkAABAAAAAmAAAACAAAAAAAAAAAAAAA"/>
               </a:ext>
             </a:extLst>
           </p:cNvSpPr>
@@ -439,7 +442,7 @@
             <a:pPr>
               <a:defRPr lang="fr-fr"/>
             </a:pPr>
-            <a:fld id="{49AB4495-DBA4-FEB2-EA13-2DE70A5D1C78}" type="datetime1">
+            <a:fld id="{36E0C6F9-B7DB-B530-9558-416588166314}" type="datetime1">
               <a:t/>
             </a:fld>
           </a:p>
@@ -452,7 +455,7 @@
             <a:spLocks noGrp="1" noChangeArrowheads="1"/>
             <a:extLst>
               <a:ext uri="smNativeData">
-                <pr:smNativeData xmlns:pr="smNativeData" xmlns="smNativeData" val="SMDATA_15_0rbXYhMAAAAlAAAAZAAAAA0AAAAAkAAAAEgAAACQAAAASAAAAAAAAAABAAAAAAAAAAEAAABQAAAAAAAAAAAA4D8AAAAAAADgPwAAAAAAAOA/AAAAAAAA4D8AAAAAAADgPwAAAAAAAOA/AAAAAAAA4D8AAAAAAADgPwAAAAAAAOA/AAAAAAAA4D8CAAAAjAAAAAAAAAAAAAAAT4G9DP///wgAAAAAAAAAAAAAAAAAAAAAAAAAAAAAAAAAAAAAZAAAAAEAAABAAAAAAAAAAAAAAAAAAAAAAAAAAAAAAAAAAAAAAAAAAAAAAAAAAAAAAAAAAAAAAAAAAAAAAAAAAAAAAAAAAAAAAAAAAAAAAAAAAAAAAAAAAAAAAAAAAAAAFAAAADwAAAAAAAAAAAAAAAAAAAkUAAAAAQAAABQAAAAUAAAAFAAAAAEAAAAAAAAAZAAAAGQAAAAAAAAAZAAAAGQAAAAVAAAAYAAAAAAAAAAAAAAADwAAACADAAAAAAAAAAAAAAEAAACgMgAAVgcAAKr4//8BAAAAf39/AAEAAABkAAAAAAAAABQAAABAHwAAAAAAACYAAAAAAAAAwOD//wAAAAAmAAAAZAAAABYAAABMAAAAAAAAAAAAAAAEAAAAAAAAAAEAAADu7OEKAAAAACgAAAAoAAAAZAAAAGQAAAAAAAAAzMzMAAAAAABQAAAAUAAAAGQAAABkAAAAAAAAABcAAAAUAAAAAAAAAAAAAAD/fwAA/38AAAAAAAAJAAAABAAAAAAAAAEeAAAAaAAAAAAAAAAAAAAAAAAAAAAAAAAAAAAAECcAABAnAAAAAAAAAAAAAAAAAAAAAAAAAAAAAAAAAAAAAAAAAAAAABQAAAAAAAAAwMD/AAAAAABkAAAAMgAAAAAAAABkAAAAAAAAAH9/fwAKAAAAIgAAABgAAAAAAAAAAAAAAAAAAAAAAAAAAAAAAAAAAAAkAAAAJAAAAAAAAAAHAAAAAAAAAAAAAAAAAAAAAAAAAAAAAAAAAAAAf39/ACUAAABYAAAAAAAAAAAAAAAAAAAAAAAAAAAAAAAAAAAAAAAAAAAAAAAAAAAAAAAAAAAAAAA/AAAAAAAAAKCGAQAAAAAAAAAAAAAAAAAMAAAAAQAAAAAAAAAAAAAAAAAAAB8AAABUAAAAAAAABQAAAAEAAAAAAAAAAAAAAAAAAAAAAAAAAAAAAAAAAAAAAAAAAAAAAAJ/f38AAAAAA8zMzADAwP8Af39/AAAAAAAAAAAAAAAAAAAAAAAAAAAAIQAAABgAAAAUAAAAOBMAABonAAAIJQAAWSkAABAAAAAmAAAACAAAAAAAAAAAAAAA"/>
+                <pr:smNativeData xmlns:pr="smNativeData" xmlns="smNativeData" val="SMDATA_15_kWHaYhMAAAAlAAAAZAAAAA0AAAAAkAAAAEgAAACQAAAASAAAAAAAAAABAAAAAAAAAAEAAABQAAAAAAAAAAAA4D8AAAAAAADgPwAAAAAAAOA/AAAAAAAA4D8AAAAAAADgPwAAAAAAAOA/AAAAAAAA4D8AAAAAAADgPwAAAAAAAOA/AAAAAAAA4D8CAAAAjAAAAAAAAAAAAAAAT4G9DP///wgAAAAAAAAAAAAAAAAAAAAAAAAAAAAAAAAAAAAAZAAAAAEAAABAAAAAAAAAAAAAAAAAAAAAAAAAAAAAAAAAAAAAAAAAAAAAAAAAAAAAAAAAAAAAAAAAAAAAAAAAAAAAAAAAAAAAAAAAAAAAAAAAAAAAAAAAAAAAAAAAAAAAFAAAADwAAAAAAAAAAAAAAAAAAAkUAAAAAQAAABQAAAAUAAAAFAAAAAEAAAAAAAAAZAAAAGQAAAAAAAAAZAAAAGQAAAAVAAAAYAAAAAAAAAAAAAAADwAAACADAAAAAAAAAAAAAAEAAACgMgAAVgcAAKr4//8BAAAAf39/AAEAAABkAAAAAAAAABQAAABAHwAAAAAAACYAAAAAAAAAwOD//wAAAAAmAAAAZAAAABYAAABMAAAAAAAAAAAAAAAEAAAAAAAAAAEAAADu7OEKAAAAACgAAAAoAAAAZAAAAGQAAAAAAAAAzMzMAAAAAABQAAAAUAAAAGQAAABkAAAAAAAAABcAAAAUAAAAAAAAAAAAAAD/fwAA/38AAAAAAAAJAAAABAAAAAAAAAEeAAAAaAAAAAAAAAAAAAAAAAAAAAAAAAAAAAAAECcAABAnAAAAAAAAAAAAAAAAAAAAAAAAAAAAAAAAAAAAAAAAAAAAABQAAAAAAAAAwMD/AAAAAABkAAAAMgAAAAAAAABkAAAAAAAAAH9/fwAKAAAAIgAAABgAAAAAAAAAAAAAAAAAAAAAAAAAAAAAAAAAAAAkAAAAJAAAAAAAAAAHAAAAAAAAAAAAAAAAAAAAAAAAAAAAAAAAAAAAf39/ACUAAABYAAAAAAAAAAAAAAAAAAAAAAAAAAAAAAAAAAAAAAAAAAAAAAAAAAAAAAAAAAAAAAA/AAAAAAAAAKCGAQAAAAAAAAAAAAAAAAAMAAAAAQAAAAAAAAAAAAAAAAAAAB8AAABUAAAAT4G9Bf///wEAAAAAAAAAAAAAAAAAAAAAAAAAAAAAAAAAAAAAAAAAAAAAAAJ/f38A7uzhA8zMzADAwP8Af39/AAAAAAAAAAAAAAAAAAAAAAAAAAAAIQAAABgAAAAUAAAAOBMAABonAAAIJQAAWSkAABAAAAAmAAAACAAAAAAAAAAAAAAA"/>
               </a:ext>
             </a:extLst>
           </p:cNvSpPr>
@@ -478,7 +481,7 @@
             <a:spLocks noGrp="1" noChangeArrowheads="1"/>
             <a:extLst>
               <a:ext uri="smNativeData">
-                <pr:smNativeData xmlns:pr="smNativeData" xmlns="smNativeData" val="SMDATA_15_0rbXYhMAAAAlAAAAZAAAAA0AAAAAkAAAAEgAAACQAAAASAAAAAAAAAABAAAAAAAAAAEAAABQAAAAAAAAAAAA4D8AAAAAAADgPwAAAAAAAOA/AAAAAAAA4D8AAAAAAADgPwAAAAAAAOA/AAAAAAAA4D8AAAAAAADgPwAAAAAAAOA/AAAAAAAA4D8CAAAAjAAAAAAAAAAAAAAAT4G9DP///wgAAAAAAAAAAAAAAAAAAAAAAAAAAAAAAAAAAAAAZAAAAAEAAABAAAAAAAAAAAAAAAAAAAAAAAAAAAAAAAAAAAAAAAAAAAAAAAAAAAAAAAAAAAAAAAAAAAAAAAAAAAAAAAAAAAAAAAAAAAAAAAAAAAAAAAAAAAAAAAAAAAAAFAAAADwAAAAAAAAAAAAAAAAAAAkUAAAAAQAAABQAAAAUAAAAFAAAAAEAAAAAAAAAZAAAAGQAAAAAAAAAZAAAAGQAAAAVAAAAYAAAAAAAAAAAAAAADwAAACADAAAAAAAAAAAAAAEAAACgMgAAVgcAAKr4//8BAAAAf39/AAEAAABkAAAAAAAAABQAAABAHwAAAAAAACYAAAAAAAAAwOD//wAAAAAmAAAAZAAAABYAAABMAAAAAAAAAAAAAAAEAAAAAAAAAAEAAADu7OEKAAAAACgAAAAoAAAAZAAAAGQAAAAAAAAAzMzMAAAAAABQAAAAUAAAAGQAAABkAAAAAAAAABcAAAAUAAAAAAAAAAAAAAD/fwAA/38AAAAAAAAJAAAABAAAADAwIiAeAAAAaAAAAAAAAAAAAAAAAAAAAAAAAAAAAAAAECcAABAnAAAAAAAAAAAAAAAAAAAAAAAAAAAAAAAAAAAAAAAAAAAAABQAAAAAAAAAwMD/AAAAAABkAAAAMgAAAAAAAABkAAAAAAAAAH9/fwAKAAAAIgAAABgAAAAAAAAAAAAAAAAAAAAAAAAAAAAAAAAAAAAkAAAAJAAAAAAAAAAHAAAAAAAAAAAAAAAAAAAAAAAAAAAAAAAAAAAAf39/ACUAAABYAAAAAAAAAAAAAAAAAAAAAAAAAAAAAAAAAAAAAAAAAAAAAAAAAAAAAAAAAAAAAAA/AAAAAAAAAKCGAQAAAAAAAAAAAAAAAAAMAAAAAQAAAAAAAAAAAAAAAAAAAB8AAABUAAAAAAAABQAAAAEAAAAAAAAAAAAAAAAAAAAAAAAAAAAAAAAAAAAAAAAAAAAAAAJ/f38AAAAAA8zMzADAwP8Af39/AAAAAAAAAAAAAAAAAAAAAAAAAAAAIQAAABgAAAAUAAAAUCgAABonAABwNQAAWSkAABAAAAAmAAAACAAAAAAAAAAAAAAA"/>
+                <pr:smNativeData xmlns:pr="smNativeData" xmlns="smNativeData" val="SMDATA_15_kWHaYhMAAAAlAAAAZAAAAA0AAAAAkAAAAEgAAACQAAAASAAAAAAAAAABAAAAAAAAAAEAAABQAAAAAAAAAAAA4D8AAAAAAADgPwAAAAAAAOA/AAAAAAAA4D8AAAAAAADgPwAAAAAAAOA/AAAAAAAA4D8AAAAAAADgPwAAAAAAAOA/AAAAAAAA4D8CAAAAjAAAAAAAAAAAAAAAT4G9DP///wgAAAAAAAAAAAAAAAAAAAAAAAAAAAAAAAAAAAAAZAAAAAEAAABAAAAAAAAAAAAAAAAAAAAAAAAAAAAAAAAAAAAAAAAAAAAAAAAAAAAAAAAAAAAAAAAAAAAAAAAAAAAAAAAAAAAAAAAAAAAAAAAAAAAAAAAAAAAAAAAAAAAAFAAAADwAAAAAAAAAAAAAAAAAAAkUAAAAAQAAABQAAAAUAAAAFAAAAAEAAAAAAAAAZAAAAGQAAAAAAAAAZAAAAGQAAAAVAAAAYAAAAAAAAAAAAAAADwAAACADAAAAAAAAAAAAAAEAAACgMgAAVgcAAKr4//8BAAAAf39/AAEAAABkAAAAAAAAABQAAABAHwAAAAAAACYAAAAAAAAAwOD//wAAAAAmAAAAZAAAABYAAABMAAAAAAAAAAAAAAAEAAAAAAAAAAEAAADu7OEKAAAAACgAAAAoAAAAZAAAAGQAAAAAAAAAzMzMAAAAAABQAAAAUAAAAGQAAABkAAAAAAAAABcAAAAUAAAAAAAAAAAAAAD/fwAA/38AAAAAAAAJAAAABAAAADAwIiAeAAAAaAAAAAAAAAAAAAAAAAAAAAAAAAAAAAAAECcAABAnAAAAAAAAAAAAAAAAAAAAAAAAAAAAAAAAAAAAAAAAAAAAABQAAAAAAAAAwMD/AAAAAABkAAAAMgAAAAAAAABkAAAAAAAAAH9/fwAKAAAAIgAAABgAAAAAAAAAAAAAAAAAAAAAAAAAAAAAAAAAAAAkAAAAJAAAAAAAAAAHAAAAAAAAAAAAAAAAAAAAAAAAAAAAAAAAAAAAf39/ACUAAABYAAAAAAAAAAAAAAAAAAAAAAAAAAAAAAAAAAAAAAAAAAAAAAAAAAAAAAAAAAAAAAA/AAAAAAAAAKCGAQAAAAAAAAAAAAAAAAAMAAAAAQAAAAAAAAAAAAAAAAAAAB8AAABUAAAAT4G9Bf///wEAAAAAAAAAAAAAAAAAAAAAAAAAAAAAAAAAAAAAAAAAAAAAAAJ/f38A7uzhA8zMzADAwP8Af39/AAAAAAAAAAAAAAAAAAAAAAAAAAAAIQAAABgAAAAUAAAAUCgAABonAABwNQAAWSkAABAAAAAmAAAACAAAAAAAAAAAAAAA"/>
               </a:ext>
             </a:extLst>
           </p:cNvSpPr>
@@ -494,7 +497,7 @@
             <a:pPr>
               <a:defRPr lang="fr-fr"/>
             </a:pPr>
-            <a:fld id="{4F5A57DA-94A2-0FA1-ECE2-62F419AC1A37}" type="slidenum">
+            <a:fld id="{3A493028-66D7-1CC6-99F1-90937EBF6FC5}" type="slidenum">
               <a:t/>
             </a:fld>
           </a:p>
@@ -533,7 +536,7 @@
             <a:spLocks noGrp="1" noChangeArrowheads="1"/>
             <a:extLst>
               <a:ext uri="smNativeData">
-                <pr:smNativeData xmlns:pr="smNativeData" xmlns="smNativeData" val="SMDATA_15_0rbXYhMAAAAlAAAAZAAAAA0AAAAAkAAAAEgAAACQAAAASAAAAAAAAAABAAAAAAAAAAEAAABQAAAAAAAAAAAA4D8AAAAAAADgPwAAAAAAAOA/AAAAAAAA4D8AAAAAAADgPwAAAAAAAOA/AAAAAAAA4D8AAAAAAADgPwAAAAAAAOA/AAAAAAAA4D8CAAAAjAAAAAAAAAAAAAAAT4G9DP///wgAAAAAAAAAAAAAAAAAAAAAAAAAAAAAAAAAAAAAZAAAAAEAAABAAAAAAAAAAAAAAAAAAAAAAAAAAAAAAAAAAAAAAAAAAAAAAAAAAAAAAAAAAAAAAAAAAAAAAAAAAAAAAAAAAAAAAAAAAAAAAAAAAAAAAAAAAAAAAAAAAAAAFAAAADwAAAAAAAAAAAAAAAAAAAkUAAAAAQAAABQAAAAUAAAAFAAAAAEAAAAAAAAAZAAAAGQAAAAAAAAAZAAAAGQAAAAVAAAAYAAAAAAAAAAAAAAADwAAACADAAAAAAAAAAAAAAEAAACgMgAAVgcAAKr4//8BAAAAf39/AAEAAABkAAAAAAAAABQAAABAHwAAAAAAACYAAAAAAAAAwOD//wAAAAAmAAAAZAAAABYAAABMAAAAAAAAAAAAAAAEAAAAAAAAAAEAAADu7OEKAAAAACgAAAAoAAAAZAAAAGQAAAAAAAAAzMzMAAAAAABQAAAAUAAAAGQAAABkAAAAAAAAABcAAAAUAAAAAAAAAAAAAAD/fwAA/38AAAAAAAAJAAAABAAAABB7SpceAAAAaAAAAAAAAAAAAAAAAAAAAAAAAAAAAAAAECcAABAnAAAAAAAAAAAAAAAAAAAAAAAAAAAAAAAAAAAAAAAAAAAAABQAAAAAAAAAwMD/AAAAAABkAAAAMgAAAAAAAABkAAAAAAAAAH9/fwAKAAAAIgAAABgAAAAAAAAAAAAAAAAAAAAAAAAAAAAAAAAAAAAkAAAAJAAAAAAAAAAHAAAAAAAAAAAAAAAAAAAAAAAAAAAAAAAAAAAAf39/ACUAAABYAAAAAAAAAAAAAAAAAAAAAAAAAAAAAAAAAAAAAAAAAAAAAAAAAAAAAAAAAAAAAAA/AAAAAAAAAKCGAQAAAAAAAAAAAAAAAAAMAAAAAQAAAAAAAAAAAAAAAAAAAB8AAABUAAAAAAAABQAAAAEAAAAAAAAAAAAAAAAAAAAAAAAAAAAAAAAAAAAAAAAAAAAAAAJ/f38AAAAAA8zMzADAwP8Af39/AAAAAAAAAAAAAAAAAAAAAAAAAAAAIQAAABgAAAAUAAAA0AIAALEBAABwNQAAuQgAABAAAAAmAAAACAAAAAAAAAAAAAAA"/>
+                <pr:smNativeData xmlns:pr="smNativeData" xmlns="smNativeData" val="SMDATA_15_kWHaYhMAAAAlAAAAZAAAAA0AAAAAkAAAAEgAAACQAAAASAAAAAAAAAABAAAAAAAAAAEAAABQAAAAAAAAAAAA4D8AAAAAAADgPwAAAAAAAOA/AAAAAAAA4D8AAAAAAADgPwAAAAAAAOA/AAAAAAAA4D8AAAAAAADgPwAAAAAAAOA/AAAAAAAA4D8CAAAAjAAAAAEAAAAAAAAA5ubmAP///wgAAAAAAAAAAAAAAAAAAAAAAAAAAAAAAAAAAAAAeAAAAAEAAABAAAAAAAAAAAAAAABaAAAAAAAAAAAAAAAAAAAAAAAAAAAAAAAAAAAAAAAAAAAAAAAAAAAAAAAAAAAAAAAAAAAAAAAAAAAAAAAAAAAAAAAAAAAAAAAAAAAAFAAAADwAAAAAAAAAAAAAAAAAAAkUAAAAAQAAABQAAAAUAAAAFAAAAAEAAAAAAAAAZAAAAGQAAAAAAAAAZAAAAGQAAAAVAAAAYAAAAAAAAAAAAAAADwAAACADAAAAAAAAAAAAAAEAAACgMgAAVgcAAKr4//8BAAAAf39/AAEAAABkAAAAAAAAABQAAABAHwAAAAAAACYAAAAAAAAAwOD//wAAAAAmAAAAZAAAABYAAABMAAAAAAAAAAAAAAAEAAAAAAAAAAEAAADu7OEKAAAAACgAAAAoAAAAZAAAAGQAAAAAAAAAzMzMAAAAAABQAAAAUAAAAGQAAABkAAAAAAAAABcAAAAUAAAAAAAAAAAAAAD/fwAA/38AAAAAAAAJAAAABAAAABB7SpceAAAAaAAAAAAAAAAAAAAAAAAAAAAAAAAAAAAAECcAABAnAAAAAAAAAAAAAAAAAAAAAAAAAAAAAAAAAAAAAAAAAAAAABQAAAAAAAAAwMD/AAAAAABkAAAAMgAAAAAAAABkAAAAAAAAAH9/fwAKAAAAIgAAABgAAAAAAAAAAAAAAAAAAAAAAAAAAAAAAAAAAAAkAAAAJAAAAAAAAAAHAAAAAAAAAAAAAAAAAAAAAAAAAAAAAAAAAAAAf39/ACUAAABYAAAAAAAAAAAAAAAAAAAAAAAAAAAAAAAAAAAAAAAAAAAAAAAAAAAAAAAAAAAAAAA/AAAAAAAAAKCGAQAAAAAAAAAAAAAAAAAMAAAAAQAAAAAAAAAAAAAAAAAAAB8AAABUAAAA5ubmAP///wEAAAAAAAAAAAAAAAAAAAAAAAAAAAAAAAAAAAAAAAAAAAAAAAJ/f38A7uzhA8zMzADAwP8Af39/AAAAAAAAAAAAAAAAAAAAAAAAAAAAIQAAABgAAAAUAAAA0AIAALEBAABwNQAAuQgAABAAAAAmAAAACAAAAAAAAAAAAAAA"/>
               </a:ext>
             </a:extLst>
           </p:cNvSpPr>
@@ -562,7 +565,7 @@
             <a:spLocks noGrp="1" noChangeArrowheads="1"/>
             <a:extLst>
               <a:ext uri="smNativeData">
-                <pr:smNativeData xmlns:pr="smNativeData" xmlns="smNativeData" val="SMDATA_15_0rbXYhMAAAAlAAAAZAAAAA0AAAAAkAAAAEgAAACQAAAASAAAAAAAAAAAAAAAAQAAAAEAAABQAAAAAAAAAAAA4D8AAAAAAADgPwAAAAAAAOA/AAAAAAAA4D8AAAAAAADgPwAAAAAAAOA/AAAAAAAA4D8AAAAAAADgPwAAAAAAAOA/AAAAAAAA4D8CAAAAjAAAAAAAAAAAAAAAT4G9DP///wgAAAAAAAAAAAAAAAAAAAAAAAAAAAAAAAAAAAAAZAAAAAEAAABAAAAAAAAAAAAAAAAAAAAAAAAAAAAAAAAAAAAAAAAAAAAAAAAAAAAAAAAAAAAAAAAAAAAAAAAAAAAAAAAAAAAAAAAAAAAAAAAAAAAAAAAAAAAAAAAAAAAAFAAAADwAAAAAAAAAAAAAAAAAAAkUAAAAAQAAABQAAAAUAAAAFAAAAAEAAAAAAAAAZAAAAGQAAAAAAAAAZAAAAGQAAAAVAAAAYAAAAAAAAAAAAAAADwAAACADAAAAAAAAAAAAAAEAAACgMgAAVgcAAKr4//8BAAAAf39/AAEAAABkAAAAAAAAABQAAABAHwAAAAAAACYAAAAAAAAAwOD//wAAAAAmAAAAZAAAABYAAABMAAAAAAAAAAAAAAAEAAAAAAAAAAEAAADu7OEKAAAAACgAAAAoAAAAZAAAAGQAAAAAAAAAzMzMAAAAAABQAAAAUAAAAGQAAABkAAAAAAAAABcAAAAUAAAAAAAAAAAAAAD/fwAA/38AAAAAAAAJAAAABAAAAFRhcmceAAAAaAAAAAAAAAAAAAAAAAAAAAAAAAAAAAAAECcAABAnAAAAAAAAAAAAAAAAAAAAAAAAAAAAAAAAAAAAAAAAAAAAABQAAAAAAAAAwMD/AAAAAABkAAAAMgAAAAAAAABkAAAAAAAAAH9/fwAKAAAAIgAAABgAAAAAAAAAAAAAAAAAAAAAAAAAAAAAAAAAAAAkAAAAJAAAAAAAAAAHAAAAAAAAAAAAAAAAAAAAAAAAAAAAAAAAAAAAf39/ACUAAABYAAAAAAAAAAAAAAAAAAAAAAAAAAAAAAAAAAAAAAAAAAAAAAAAAAAAAAAAAAAAAAA/AAAAAAAAAKCGAQAAAAAAAAAAAAAAAAAMAAAAAQAAAAAAAAAAAAAAAAAAAB8AAABUAAAAAAAABQAAAAEAAAAAAAAAAAAAAAAAAAAAAAAAAAAAAAAAAAAAAAAAAAAAAAJ/f38AAAAAA8zMzADAwP8Af39/AAAAAAAAAAAAAAAAAAAAAAAAAAAAIQAAABgAAAAUAAAA0AIAANgJAABwNQAAsCUAABAAAAAmAAAACAAAAAIAAAAAAAAA"/>
+                <pr:smNativeData xmlns:pr="smNativeData" xmlns="smNativeData" val="SMDATA_15_kWHaYhMAAAAlAAAAZAAAAA0AAAAAkAAAAEgAAACQAAAASAAAAAAAAAAAAAAAAQAAAAEAAABQAAAAAAAAAAAA4D8AAAAAAADgPwAAAAAAAOA/AAAAAAAA4D8AAAAAAADgPwAAAAAAAOA/AAAAAAAA4D8AAAAAAADgPwAAAAAAAOA/AAAAAAAA4D8CAAAAjAAAAAAAAAAAAAAAT4G9DP///wgAAAAAAAAAAAAAAAAAAAAAAAAAAAAAAAAAAAAAZAAAAAEAAABAAAAAAAAAAAAAAAAAAAAAAAAAAAAAAAAAAAAAAAAAAAAAAAAAAAAAAAAAAAAAAAAAAAAAAAAAAAAAAAAAAAAAAAAAAAAAAAAAAAAAAAAAAAAAAAAAAAAAFAAAADwAAAAAAAAAAAAAAAAAAAkUAAAAAQAAABQAAAAUAAAAFAAAAAEAAAAAAAAAZAAAAGQAAAAAAAAAZAAAAGQAAAAVAAAAYAAAAAAAAAAAAAAADwAAACADAAAAAAAAAAAAAAEAAACgMgAAVgcAAKr4//8BAAAAf39/AAEAAABkAAAAAAAAABQAAABAHwAAAAAAACYAAAAAAAAAwOD//wAAAAAmAAAAZAAAABYAAABMAAAAAAAAAAAAAAAEAAAAAAAAAAEAAADu7OEKAAAAACgAAAAoAAAAZAAAAGQAAAAAAAAAzMzMAAAAAABQAAAAUAAAAGQAAABkAAAAAAAAABcAAAAUAAAAAAAAAAAAAAD/fwAA/38AAAAAAAAJAAAABAAAAFRhcmceAAAAaAAAAAAAAAAAAAAAAAAAAAAAAAAAAAAAECcAABAnAAAAAAAAAAAAAAAAAAAAAAAAAAAAAAAAAAAAAAAAAAAAABQAAAAAAAAAwMD/AAAAAABkAAAAMgAAAAAAAABkAAAAAAAAAH9/fwAKAAAAIgAAABgAAAAAAAAAAAAAAAAAAAAAAAAAAAAAAAAAAAAkAAAAJAAAAAAAAAAHAAAAAAAAAAAAAAAAAAAAAAAAAAAAAAAAAAAAf39/ACUAAABYAAAAAAAAAAAAAAAAAAAAAAAAAAAAAAAAAAAAAAAAAAAAAAAAAAAAAAAAAAAAAAA/AAAAAAAAAKCGAQAAAAAAAAAAAAAAAAAMAAAAAQAAAAAAAAAAAAAAAAAAAB8AAABUAAAAT4G9Bf///wEAAAAAAAAAAAAAAAAAAAAAAAAAAAAAAAAAAAAAAAAAAAAAAAJ/f38A7uzhA8zMzADAwP8Af39/AAAAAAAAAAAAAAAAAAAAAAAAAAAAIQAAABgAAAAUAAAA0AIAANgJAABwNQAAsCUAABAAAAAmAAAACAAAAAIAAAAAAAAA"/>
               </a:ext>
             </a:extLst>
           </p:cNvSpPr>
@@ -627,7 +630,7 @@
             <a:spLocks noGrp="1" noChangeArrowheads="1"/>
             <a:extLst>
               <a:ext uri="smNativeData">
-                <pr:smNativeData xmlns:pr="smNativeData" xmlns="smNativeData" val="SMDATA_15_0rbXYhMAAAAlAAAAZAAAAA0AAAAAkAAAAEgAAACQAAAASAAAAAAAAAABAAAAAAAAAAEAAABQAAAAAAAAAAAA4D8AAAAAAADgPwAAAAAAAOA/AAAAAAAA4D8AAAAAAADgPwAAAAAAAOA/AAAAAAAA4D8AAAAAAADgPwAAAAAAAOA/AAAAAAAA4D8CAAAAjAAAAAAAAAAAAAAAT4G9DP///wgAAAAAAAAAAAAAAAAAAAAAAAAAAAAAAAAAAAAAZAAAAAEAAABAAAAAAAAAAAAAAAAAAAAAAAAAAAAAAAAAAAAAAAAAAAAAAAAAAAAAAAAAAAAAAAAAAAAAAAAAAAAAAAAAAAAAAAAAAAAAAAAAAAAAAAAAAAAAAAAAAAAAFAAAADwAAAAAAAAAAAAAAAAAAAkUAAAAAQAAABQAAAAUAAAAFAAAAAEAAAAAAAAAZAAAAGQAAAAAAAAAZAAAAGQAAAAVAAAAYAAAAAAAAAAAAAAADwAAACADAAAAAAAAAAAAAAEAAACgMgAAVgcAAKr4//8BAAAAf39/AAEAAABkAAAAAAAAABQAAABAHwAAAAAAACYAAAAAAAAAwOD//wAAAAAmAAAAZAAAABYAAABMAAAAAAAAAAAAAAAEAAAAAAAAAAEAAADu7OEKAAAAACgAAAAoAAAAZAAAAGQAAAAAAAAAzMzMAAAAAABQAAAAUAAAAGQAAABkAAAAAAAAABcAAAAUAAAAAAAAAAAAAAD/fwAA/38AAAAAAAAJAAAABAAAABB7SpceAAAAaAAAAAAAAAAAAAAAAAAAAAAAAAAAAAAAECcAABAnAAAAAAAAAAAAAAAAAAAAAAAAAAAAAAAAAAAAAAAAAAAAABQAAAAAAAAAwMD/AAAAAABkAAAAMgAAAAAAAABkAAAAAAAAAH9/fwAKAAAAIgAAABgAAAAAAAAAAAAAAAAAAAAAAAAAAAAAAAAAAAAkAAAAJAAAAAAAAAAHAAAAAAAAAAAAAAAAAAAAAAAAAAAAAAAAAAAAf39/ACUAAABYAAAAAAAAAAAAAAAAAAAAAAAAAAAAAAAAAAAAAAAAAAAAAAAAAAAAAAAAAAAAAAA/AAAAAAAAAKCGAQAAAAAAAAAAAAAAAAAMAAAAAQAAAAAAAAAAAAAAAAAAAB8AAABUAAAAAAAABQAAAAEAAAAAAAAAAAAAAAAAAAAAAAAAAAAAAAAAAAAAAAAAAAAAAAJ/f38AAAAAA8zMzADAwP8Af39/AAAAAAAAAAAAAAAAAAAAAAAAAAAAIQAAABgAAAAUAAAA0AIAABonAADwDwAAWSkAABAAAAAmAAAACAAAAAAAAAAAAAAA"/>
+                <pr:smNativeData xmlns:pr="smNativeData" xmlns="smNativeData" val="SMDATA_15_kWHaYhMAAAAlAAAAZAAAAA0AAAAAkAAAAEgAAACQAAAASAAAAAAAAAABAAAAAAAAAAEAAABQAAAAAAAAAAAA4D8AAAAAAADgPwAAAAAAAOA/AAAAAAAA4D8AAAAAAADgPwAAAAAAAOA/AAAAAAAA4D8AAAAAAADgPwAAAAAAAOA/AAAAAAAA4D8CAAAAjAAAAAAAAAAAAAAAT4G9DP///wgAAAAAAAAAAAAAAAAAAAAAAAAAAAAAAAAAAAAAZAAAAAEAAABAAAAAAAAAAAAAAAAAAAAAAAAAAAAAAAAAAAAAAAAAAAAAAAAAAAAAAAAAAAAAAAAAAAAAAAAAAAAAAAAAAAAAAAAAAAAAAAAAAAAAAAAAAAAAAAAAAAAAFAAAADwAAAAAAAAAAAAAAAAAAAkUAAAAAQAAABQAAAAUAAAAFAAAAAEAAAAAAAAAZAAAAGQAAAAAAAAAZAAAAGQAAAAVAAAAYAAAAAAAAAAAAAAADwAAACADAAAAAAAAAAAAAAEAAACgMgAAVgcAAKr4//8BAAAAf39/AAEAAABkAAAAAAAAABQAAABAHwAAAAAAACYAAAAAAAAAwOD//wAAAAAmAAAAZAAAABYAAABMAAAAAAAAAAAAAAAEAAAAAAAAAAEAAADu7OEKAAAAACgAAAAoAAAAZAAAAGQAAAAAAAAAzMzMAAAAAABQAAAAUAAAAGQAAABkAAAAAAAAABcAAAAUAAAAAAAAAAAAAAD/fwAA/38AAAAAAAAJAAAABAAAABB7SpceAAAAaAAAAAAAAAAAAAAAAAAAAAAAAAAAAAAAECcAABAnAAAAAAAAAAAAAAAAAAAAAAAAAAAAAAAAAAAAAAAAAAAAABQAAAAAAAAAwMD/AAAAAABkAAAAMgAAAAAAAABkAAAAAAAAAH9/fwAKAAAAIgAAABgAAAAAAAAAAAAAAAAAAAAAAAAAAAAAAAAAAAAkAAAAJAAAAAAAAAAHAAAAAAAAAAAAAAAAAAAAAAAAAAAAAAAAAAAAf39/ACUAAABYAAAAAAAAAAAAAAAAAAAAAAAAAAAAAAAAAAAAAAAAAAAAAAAAAAAAAAAAAAAAAAA/AAAAAAAAAKCGAQAAAAAAAAAAAAAAAAAMAAAAAQAAAAAAAAAAAAAAAAAAAB8AAABUAAAAT4G9Bf///wEAAAAAAAAAAAAAAAAAAAAAAAAAAAAAAAAAAAAAAAAAAAAAAAJ/f38A7uzhA8zMzADAwP8Af39/AAAAAAAAAAAAAAAAAAAAAAAAAAAAIQAAABgAAAAUAAAA0AIAABonAADwDwAAWSkAABAAAAAmAAAACAAAAAAAAAAAAAAA"/>
               </a:ext>
             </a:extLst>
           </p:cNvSpPr>
@@ -643,8 +646,8 @@
             <a:pPr>
               <a:defRPr lang="fr-fr"/>
             </a:pPr>
-            <a:fld id="{2601C803-4DCB-543E-85B9-BB6B86F773EE}" type="datetime1">
-              <a:t>1/04/15</a:t>
+            <a:fld id="{67C0F152-1C8A-9507-C478-EA52BF3632BF}" type="datetime1">
+              <a:t>(Date/heure)</a:t>
             </a:fld>
           </a:p>
         </p:txBody>
@@ -656,7 +659,7 @@
             <a:spLocks noGrp="1" noChangeArrowheads="1"/>
             <a:extLst>
               <a:ext uri="smNativeData">
-                <pr:smNativeData xmlns:pr="smNativeData" xmlns="smNativeData" val="SMDATA_15_0rbXYhMAAAAlAAAAZAAAAA0AAAAAkAAAAEgAAACQAAAASAAAAAAAAAABAAAAAAAAAAEAAABQAAAAAAAAAAAA4D8AAAAAAADgPwAAAAAAAOA/AAAAAAAA4D8AAAAAAADgPwAAAAAAAOA/AAAAAAAA4D8AAAAAAADgPwAAAAAAAOA/AAAAAAAA4D8CAAAAjAAAAAAAAAAAAAAAT4G9DP///wgAAAAAAAAAAAAAAAAAAAAAAAAAAAAAAAAAAAAAZAAAAAEAAABAAAAAAAAAAAAAAAAAAAAAAAAAAAAAAAAAAAAAAAAAAAAAAAAAAAAAAAAAAAAAAAAAAAAAAAAAAAAAAAAAAAAAAAAAAAAAAAAAAAAAAAAAAAAAAAAAAAAAFAAAADwAAAAAAAAAAAAAAAAAAAkUAAAAAQAAABQAAAAUAAAAFAAAAAEAAAAAAAAAZAAAAGQAAAAAAAAAZAAAAGQAAAAVAAAAYAAAAAAAAAAAAAAADwAAACADAAAAAAAAAAAAAAEAAACgMgAAVgcAAKr4//8BAAAAf39/AAEAAABkAAAAAAAAABQAAABAHwAAAAAAACYAAAAAAAAAwOD//wAAAAAmAAAAZAAAABYAAABMAAAAAAAAAAAAAAAEAAAAAAAAAAEAAADu7OEKAAAAACgAAAAoAAAAZAAAAGQAAAAAAAAAzMzMAAAAAABQAAAAUAAAAGQAAABkAAAAAAAAABcAAAAUAAAAAAAAAAAAAAD/fwAA/38AAAAAAAAJAAAABAAAAFRhcmceAAAAaAAAAAAAAAAAAAAAAAAAAAAAAAAAAAAAECcAABAnAAAAAAAAAAAAAAAAAAAAAAAAAAAAAAAAAAAAAAAAAAAAABQAAAAAAAAAwMD/AAAAAABkAAAAMgAAAAAAAABkAAAAAAAAAH9/fwAKAAAAIgAAABgAAAAAAAAAAAAAAAAAAAAAAAAAAAAAAAAAAAAkAAAAJAAAAAAAAAAHAAAAAAAAAAAAAAAAAAAAAAAAAAAAAAAAAAAAf39/ACUAAABYAAAAAAAAAAAAAAAAAAAAAAAAAAAAAAAAAAAAAAAAAAAAAAAAAAAAAAAAAAAAAAA/AAAAAAAAAKCGAQAAAAAAAAAAAAAAAAAMAAAAAQAAAAAAAAAAAAAAAAAAAB8AAABUAAAAAAAABQAAAAEAAAAAAAAAAAAAAAAAAAAAAAAAAAAAAAAAAAAAAAAAAAAAAAJ/f38AAAAAA8zMzADAwP8Af39/AAAAAAAAAAAAAAAAAAAAAAAAAAAAIQAAABgAAAAUAAAAOBMAABonAAAIJQAAWSkAABAAAAAmAAAACAAAAAAAAAAAAAAA"/>
+                <pr:smNativeData xmlns:pr="smNativeData" xmlns="smNativeData" val="SMDATA_15_kWHaYhMAAAAlAAAAZAAAAA0AAAAAkAAAAEgAAACQAAAASAAAAAAAAAABAAAAAAAAAAEAAABQAAAAAAAAAAAA4D8AAAAAAADgPwAAAAAAAOA/AAAAAAAA4D8AAAAAAADgPwAAAAAAAOA/AAAAAAAA4D8AAAAAAADgPwAAAAAAAOA/AAAAAAAA4D8CAAAAjAAAAAAAAAAAAAAAT4G9DP///wgAAAAAAAAAAAAAAAAAAAAAAAAAAAAAAAAAAAAAZAAAAAEAAABAAAAAAAAAAAAAAAAAAAAAAAAAAAAAAAAAAAAAAAAAAAAAAAAAAAAAAAAAAAAAAAAAAAAAAAAAAAAAAAAAAAAAAAAAAAAAAAAAAAAAAAAAAAAAAAAAAAAAFAAAADwAAAAAAAAAAAAAAAAAAAkUAAAAAQAAABQAAAAUAAAAFAAAAAEAAAAAAAAAZAAAAGQAAAAAAAAAZAAAAGQAAAAVAAAAYAAAAAAAAAAAAAAADwAAACADAAAAAAAAAAAAAAEAAACgMgAAVgcAAKr4//8BAAAAf39/AAEAAABkAAAAAAAAABQAAABAHwAAAAAAACYAAAAAAAAAwOD//wAAAAAmAAAAZAAAABYAAABMAAAAAAAAAAAAAAAEAAAAAAAAAAEAAADu7OEKAAAAACgAAAAoAAAAZAAAAGQAAAAAAAAAzMzMAAAAAABQAAAAUAAAAGQAAABkAAAAAAAAABcAAAAUAAAAAAAAAAAAAAD/fwAA/38AAAAAAAAJAAAABAAAAFRhcmceAAAAaAAAAAAAAAAAAAAAAAAAAAAAAAAAAAAAECcAABAnAAAAAAAAAAAAAAAAAAAAAAAAAAAAAAAAAAAAAAAAAAAAABQAAAAAAAAAwMD/AAAAAABkAAAAMgAAAAAAAABkAAAAAAAAAH9/fwAKAAAAIgAAABgAAAAAAAAAAAAAAAAAAAAAAAAAAAAAAAAAAAAkAAAAJAAAAAAAAAAHAAAAAAAAAAAAAAAAAAAAAAAAAAAAAAAAAAAAf39/ACUAAABYAAAAAAAAAAAAAAAAAAAAAAAAAAAAAAAAAAAAAAAAAAAAAAAAAAAAAAAAAAAAAAA/AAAAAAAAAKCGAQAAAAAAAAAAAAAAAAAMAAAAAQAAAAAAAAAAAAAAAAAAAB8AAABUAAAAT4G9Bf///wEAAAAAAAAAAAAAAAAAAAAAAAAAAAAAAAAAAAAAAAAAAAAAAAJ/f38A7uzhA8zMzADAwP8Af39/AAAAAAAAAAAAAAAAAAAAAAAAAAAAIQAAABgAAAAUAAAAOBMAABonAAAIJQAAWSkAABAAAAAmAAAACAAAAAAAAAAAAAAA"/>
               </a:ext>
             </a:extLst>
           </p:cNvSpPr>
@@ -682,7 +685,7 @@
             <a:spLocks noGrp="1" noChangeArrowheads="1"/>
             <a:extLst>
               <a:ext uri="smNativeData">
-                <pr:smNativeData xmlns:pr="smNativeData" xmlns="smNativeData" val="SMDATA_15_0rbXYhMAAAAlAAAAZAAAAA0AAAAAkAAAAEgAAACQAAAASAAAAAAAAAABAAAAAAAAAAEAAABQAAAAAAAAAAAA4D8AAAAAAADgPwAAAAAAAOA/AAAAAAAA4D8AAAAAAADgPwAAAAAAAOA/AAAAAAAA4D8AAAAAAADgPwAAAAAAAOA/AAAAAAAA4D8CAAAAjAAAAAAAAAAAAAAAT4G9DP///wgAAAAAAAAAAAAAAAAAAAAAAAAAAAAAAAAAAAAAZAAAAAEAAABAAAAAAAAAAAAAAAAAAAAAAAAAAAAAAAAAAAAAAAAAAAAAAAAAAAAAAAAAAAAAAAAAAAAAAAAAAAAAAAAAAAAAAAAAAAAAAAAAAAAAAAAAAAAAAAAAAAAAFAAAADwAAAAAAAAAAAAAAAAAAAkUAAAAAQAAABQAAAAUAAAAFAAAAAEAAAAAAAAAZAAAAGQAAAAAAAAAZAAAAGQAAAAVAAAAYAAAAAAAAAAAAAAADwAAACADAAAAAAAAAAAAAAEAAACgMgAAVgcAAKr4//8BAAAAf39/AAEAAABkAAAAAAAAABQAAABAHwAAAAAAACYAAAAAAAAAwOD//wAAAAAmAAAAZAAAABYAAABMAAAAAAAAAAAAAAAEAAAAAAAAAAEAAADu7OEKAAAAACgAAAAoAAAAZAAAAGQAAAAAAAAAzMzMAAAAAABQAAAAUAAAAGQAAABkAAAAAAAAABcAAAAUAAAAAAAAAAAAAAD/fwAA/38AAAAAAAAJAAAABAAAABB7SpceAAAAaAAAAAAAAAAAAAAAAAAAAAAAAAAAAAAAECcAABAnAAAAAAAAAAAAAAAAAAAAAAAAAAAAAAAAAAAAAAAAAAAAABQAAAAAAAAAwMD/AAAAAABkAAAAMgAAAAAAAABkAAAAAAAAAH9/fwAKAAAAIgAAABgAAAAAAAAAAAAAAAAAAAAAAAAAAAAAAAAAAAAkAAAAJAAAAAAAAAAHAAAAAAAAAAAAAAAAAAAAAAAAAAAAAAAAAAAAf39/ACUAAABYAAAAAAAAAAAAAAAAAAAAAAAAAAAAAAAAAAAAAAAAAAAAAAAAAAAAAAAAAAAAAAA/AAAAAAAAAKCGAQAAAAAAAAAAAAAAAAAMAAAAAQAAAAAAAAAAAAAAAAAAAB8AAABUAAAAAAAABQAAAAEAAAAAAAAAAAAAAAAAAAAAAAAAAAAAAAAAAAAAAAAAAAAAAAJ/f38AAAAAA8zMzADAwP8Af39/AAAAAAAAAAAAAAAAAAAAAAAAAAAAIQAAABgAAAAUAAAAUCgAABonAABwNQAAWSkAABAAAAAmAAAACAAAAAAAAAAAAAAA"/>
+                <pr:smNativeData xmlns:pr="smNativeData" xmlns="smNativeData" val="SMDATA_15_kWHaYhMAAAAlAAAAZAAAAA0AAAAAkAAAAEgAAACQAAAASAAAAAAAAAABAAAAAAAAAAEAAABQAAAAAAAAAAAA4D8AAAAAAADgPwAAAAAAAOA/AAAAAAAA4D8AAAAAAADgPwAAAAAAAOA/AAAAAAAA4D8AAAAAAADgPwAAAAAAAOA/AAAAAAAA4D8CAAAAjAAAAAAAAAAAAAAAT4G9DP///wgAAAAAAAAAAAAAAAAAAAAAAAAAAAAAAAAAAAAAZAAAAAEAAABAAAAAAAAAAAAAAAAAAAAAAAAAAAAAAAAAAAAAAAAAAAAAAAAAAAAAAAAAAAAAAAAAAAAAAAAAAAAAAAAAAAAAAAAAAAAAAAAAAAAAAAAAAAAAAAAAAAAAFAAAADwAAAAAAAAAAAAAAAAAAAkUAAAAAQAAABQAAAAUAAAAFAAAAAEAAAAAAAAAZAAAAGQAAAAAAAAAZAAAAGQAAAAVAAAAYAAAAAAAAAAAAAAADwAAACADAAAAAAAAAAAAAAEAAACgMgAAVgcAAKr4//8BAAAAf39/AAEAAABkAAAAAAAAABQAAABAHwAAAAAAACYAAAAAAAAAwOD//wAAAAAmAAAAZAAAABYAAABMAAAAAAAAAAAAAAAEAAAAAAAAAAEAAADu7OEKAAAAACgAAAAoAAAAZAAAAGQAAAAAAAAAzMzMAAAAAABQAAAAUAAAAGQAAABkAAAAAAAAABcAAAAUAAAAAAAAAAAAAAD/fwAA/38AAAAAAAAJAAAABAAAABB7SpceAAAAaAAAAAAAAAAAAAAAAAAAAAAAAAAAAAAAECcAABAnAAAAAAAAAAAAAAAAAAAAAAAAAAAAAAAAAAAAAAAAAAAAABQAAAAAAAAAwMD/AAAAAABkAAAAMgAAAAAAAABkAAAAAAAAAH9/fwAKAAAAIgAAABgAAAAAAAAAAAAAAAAAAAAAAAAAAAAAAAAAAAAkAAAAJAAAAAAAAAAHAAAAAAAAAAAAAAAAAAAAAAAAAAAAAAAAAAAAf39/ACUAAABYAAAAAAAAAAAAAAAAAAAAAAAAAAAAAAAAAAAAAAAAAAAAAAAAAAAAAAAAAAAAAAA/AAAAAAAAAKCGAQAAAAAAAAAAAAAAAAAMAAAAAQAAAAAAAAAAAAAAAAAAAB8AAABUAAAAT4G9Bf///wEAAAAAAAAAAAAAAAAAAAAAAAAAAAAAAAAAAAAAAAAAAAAAAAJ/f38A7uzhA8zMzADAwP8Af39/AAAAAAAAAAAAAAAAAAAAAAAAAAAAIQAAABgAAAAUAAAAUCgAABonAABwNQAAWSkAABAAAAAmAAAACAAAAAAAAAAAAAAA"/>
               </a:ext>
             </a:extLst>
           </p:cNvSpPr>
@@ -698,8 +701,8 @@
             <a:pPr>
               <a:defRPr lang="fr-fr"/>
             </a:pPr>
-            <a:fld id="{330D1D6E-20DE-58EB-90B5-D6BE53FB6683}" type="slidenum">
-              <a:t>‹#›</a:t>
+            <a:fld id="{663BABEE-A08B-6E5D-C583-5608E5CD3303}" type="slidenum">
+              <a:t>{N°}</a:t>
             </a:fld>
           </a:p>
         </p:txBody>
@@ -737,7 +740,7 @@
             <a:spLocks noGrp="1" noChangeArrowheads="1"/>
             <a:extLst>
               <a:ext uri="smNativeData">
-                <pr:smNativeData xmlns:pr="smNativeData" xmlns="smNativeData" val="SMDATA_15_0rbXYhMAAAAlAAAAZAAAAA0AAAAAkAAAAEgAAACQAAAASAAAAAAAAAABAAAAAQAAAAEAAABQAAAAAAAAAAAA4D8AAAAAAADgPwAAAAAAAOA/AAAAAAAA4D8AAAAAAADgPwAAAAAAAOA/AAAAAAAA4D8AAAAAAADgPwAAAAAAAOA/AAAAAAAA4D8CAAAAjAAAAAAAAAAAAAAAT4G9DP///wgAAAAAAAAAAAAAAAAAAAAAAAAAAAAAAAAAAAAAZAAAAAEAAABAAAAAAAAAAAAAAAAAAAAAAAAAAAAAAAAAAAAAAAAAAAAAAAAAAAAAAAAAAAAAAAAAAAAAAAAAAAAAAAAAAAAAAAAAAAAAAAAAAAAAAAAAAAAAAAAAAAAAFAAAADwAAAAAAAAAAAAAAAAAAAkUAAAAAQAAABQAAAAUAAAAFAAAAAEAAAAAAAAAZAAAAGQAAAAAAAAAZAAAAGQAAAAVAAAAYAAAAAAAAAAAAAAADwAAACADAAAAAAAAAAAAAAEAAACgMgAAVgcAAKr4//8BAAAAf39/AAEAAABkAAAAAAAAABQAAABAHwAAAAAAACYAAAAAAAAAwOD//wAAAAAmAAAAZAAAABYAAABMAAAAAAAAAAAAAAAEAAAAAAAAAAEAAADu7OEKAAAAACgAAAAoAAAAZAAAAGQAAAAAAAAAzMzMAAAAAABQAAAAUAAAAGQAAABkAAAAAAAAABcAAAAUAAAAAAAAAAAAAAD/fwAA/38AAAAAAAAJAAAABAAAANAgJgEeAAAAaAAAAAAAAAAAAAAAAAAAAAAAAAAAAAAAECcAABAnAAAAAAAAAAAAAAAAAAAAAAAAAAAAAAAAAAAAAAAAAAAAABQAAAAAAAAAwMD/AAAAAABkAAAAMgAAAAAAAABkAAAAAAAAAH9/fwAKAAAAIgAAABgAAAAAAAAAAAAAAAAAAAAAAAAAAAAAAAAAAAAkAAAAJAAAAAAAAAAHAAAAAAAAAAAAAAAAAAAAAAAAAAAAAAAAAAAAf39/ACUAAABYAAAAAAAAAAAAAAAAAAAAAAAAAAAAAAAAAAAAAAAAAAAAAAAAAAAAAAAAAAAAAAA/AAAAAAAAAKCGAQAAAAAAAAAAAAAAAAAMAAAAAQAAAAAAAAAAAAAAAAAAAB8AAABUAAAAAAAABQAAAAEAAAAAAAAAAAAAAAAAAAAAAAAAAAAAAAAAAAAAAAAAAAAAAAJ/f38AAAAAA8zMzADAwP8Af39/AAAAAAAAAAAAAAAAAAAAAAAAAAAAIQAAABgAAAAUAAAAyCgAALEBAABwNQAAsCUAABAAAAAmAAAACAAAAAMAAAAAAAAA"/>
+                <pr:smNativeData xmlns:pr="smNativeData" xmlns="smNativeData" val="SMDATA_15_kWHaYhMAAAAlAAAAZAAAAA0AAAAAkAAAAEgAAACQAAAASAAAAAAAAAABAAAAAQAAAAEAAABQAAAAAAAAAAAA4D8AAAAAAADgPwAAAAAAAOA/AAAAAAAA4D8AAAAAAADgPwAAAAAAAOA/AAAAAAAA4D8AAAAAAADgPwAAAAAAAOA/AAAAAAAA4D8CAAAAjAAAAAEAAAAAAAAA5ubmAP///wgAAAAAAAAAAAAAAAAAAAAAAAAAAAAAAAAAAAAAeAAAAAEAAABAAAAAAAAAAAAAAABaAAAAAAAAAAAAAAAAAAAAAAAAAAAAAAAAAAAAAAAAAAAAAAAAAAAAAAAAAAAAAAAAAAAAAAAAAAAAAAAAAAAAAAAAAAAAAAAAAAAAFAAAADwAAAAAAAAAAAAAAAAAAAkUAAAAAQAAABQAAAAUAAAAFAAAAAEAAAAAAAAAZAAAAGQAAAAAAAAAZAAAAGQAAAAVAAAAYAAAAAAAAAAAAAAADwAAACADAAAAAAAAAAAAAAEAAACgMgAAVgcAAKr4//8BAAAAf39/AAEAAABkAAAAAAAAABQAAABAHwAAAAAAACYAAAAAAAAAwOD//wAAAAAmAAAAZAAAABYAAABMAAAAAAAAAAAAAAAEAAAAAAAAAAEAAADu7OEKAAAAACgAAAAoAAAAZAAAAGQAAAAAAAAAzMzMAAAAAABQAAAAUAAAAGQAAABkAAAAAAAAABcAAAAUAAAAAAAAAAAAAAD/fwAA/38AAAAAAAAJAAAABAAAANAgJgEeAAAAaAAAAAAAAAAAAAAAAAAAAAAAAAAAAAAAECcAABAnAAAAAAAAAAAAAAAAAAAAAAAAAAAAAAAAAAAAAAAAAAAAABQAAAAAAAAAwMD/AAAAAABkAAAAMgAAAAAAAABkAAAAAAAAAH9/fwAKAAAAIgAAABgAAAAAAAAAAAAAAAAAAAAAAAAAAAAAAAAAAAAkAAAAJAAAAAAAAAAHAAAAAAAAAAAAAAAAAAAAAAAAAAAAAAAAAAAAf39/ACUAAABYAAAAAAAAAAAAAAAAAAAAAAAAAAAAAAAAAAAAAAAAAAAAAAAAAAAAAAAAAAAAAAA/AAAAAAAAAKCGAQAAAAAAAAAAAAAAAAAMAAAAAQAAAAAAAAAAAAAAAAAAAB8AAABUAAAA5ubmAP///wEAAAAAAAAAAAAAAAAAAAAAAAAAAAAAAAAAAAAAAAAAAAAAAAJ/f38AAAAAA8zMzADAwP8Af39/AAAAAAAAAAAAAAAAAAAAAAAAAAAAIQAAABgAAAAUAAAAyCgAALEBAABwNQAAsCUAABAAAAAmAAAACAAAAAMAAAAAAAAA"/>
               </a:ext>
             </a:extLst>
           </p:cNvSpPr>
@@ -775,7 +778,7 @@
             <a:spLocks noGrp="1" noChangeArrowheads="1"/>
             <a:extLst>
               <a:ext uri="smNativeData">
-                <pr:smNativeData xmlns:pr="smNativeData" xmlns="smNativeData" val="SMDATA_15_0rbXYhMAAAAlAAAAZAAAAA0AAAAAkAAAAEgAAACQAAAASAAAAAAAAAAAAAAAAQAAAAEAAABQAAAAAAAAAAAA4D8AAAAAAADgPwAAAAAAAOA/AAAAAAAA4D8AAAAAAADgPwAAAAAAAOA/AAAAAAAA4D8AAAAAAADgPwAAAAAAAOA/AAAAAAAA4D8CAAAAjAAAAAAAAAAAAAAAT4G9DP///wgAAAAAAAAAAAAAAAAAAAAAAAAAAAAAAAAAAAAAZAAAAAEAAABAAAAAAAAAAAAAAAAAAAAAAAAAAAAAAAAAAAAAAAAAAAAAAAAAAAAAAAAAAAAAAAAAAAAAAAAAAAAAAAAAAAAAAAAAAAAAAAAAAAAAAAAAAAAAAAAAAAAAFAAAADwAAAAAAAAAAAAAAAAAAAkUAAAAAQAAABQAAAAUAAAAFAAAAAEAAAAAAAAAZAAAAGQAAAAAAAAAZAAAAGQAAAAVAAAAYAAAAAAAAAAAAAAADwAAACADAAAAAAAAAAAAAAEAAACgMgAAVgcAAKr4//8BAAAAf39/AAEAAABkAAAAAAAAABQAAABAHwAAAAAAACYAAAAAAAAAwOD//wAAAAAmAAAAZAAAABYAAABMAAAAAAAAAAAAAAAEAAAAAAAAAAEAAADu7OEKAAAAACgAAAAoAAAAZAAAAGQAAAAAAAAAzMzMAAAAAABQAAAAUAAAAGQAAABkAAAAAAAAABcAAAAUAAAAAAAAAAAAAAD/fwAA/38AAAAAAAAJAAAABAAAAFRhcmceAAAAaAAAAAAAAAAAAAAAAAAAAAAAAAAAAAAAECcAABAnAAAAAAAAAAAAAAAAAAAAAAAAAAAAAAAAAAAAAAAAAAAAABQAAAAAAAAAwMD/AAAAAABkAAAAMgAAAAAAAABkAAAAAAAAAH9/fwAKAAAAIgAAABgAAAAAAAAAAAAAAAAAAAAAAAAAAAAAAAAAAAAkAAAAJAAAAAAAAAAHAAAAAAAAAAAAAAAAAAAAAAAAAAAAAAAAAAAAf39/ACUAAABYAAAAAAAAAAAAAAAAAAAAAAAAAAAAAAAAAAAAAAAAAAAAAAAAAAAAAAAAAAAAAAA/AAAAAAAAAKCGAQAAAAAAAAAAAAAAAAAMAAAAAQAAAAAAAAAAAAAAAAAAAB8AAABUAAAAAAAABQAAAAEAAAAAAAAAAAAAAAAAAAAAAAAAAAAAAAAAAAAAAAAAAAAAAAJ/f38AAAAAA8zMzADAwP8Af39/AAAAAAAAAAAAAAAAAAAAAAAAAAAAIQAAABgAAAAUAAAA0AIAALEBAADYJwAAsCUAABAAAAAmAAAACAAAAAMAAAAAAAAA"/>
+                <pr:smNativeData xmlns:pr="smNativeData" xmlns="smNativeData" val="SMDATA_15_kWHaYhMAAAAlAAAAZAAAAA0AAAAAkAAAAEgAAACQAAAASAAAAAAAAAAAAAAAAQAAAAEAAABQAAAAAAAAAAAA4D8AAAAAAADgPwAAAAAAAOA/AAAAAAAA4D8AAAAAAADgPwAAAAAAAOA/AAAAAAAA4D8AAAAAAADgPwAAAAAAAOA/AAAAAAAA4D8CAAAAjAAAAAAAAAAAAAAAT4G9DP///wgAAAAAAAAAAAAAAAAAAAAAAAAAAAAAAAAAAAAAZAAAAAEAAABAAAAAAAAAAAAAAAAAAAAAAAAAAAAAAAAAAAAAAAAAAAAAAAAAAAAAAAAAAAAAAAAAAAAAAAAAAAAAAAAAAAAAAAAAAAAAAAAAAAAAAAAAAAAAAAAAAAAAFAAAADwAAAAAAAAAAAAAAAAAAAkUAAAAAQAAABQAAAAUAAAAFAAAAAEAAAAAAAAAZAAAAGQAAAAAAAAAZAAAAGQAAAAVAAAAYAAAAAAAAAAAAAAADwAAACADAAAAAAAAAAAAAAEAAACgMgAAVgcAAKr4//8BAAAAf39/AAEAAABkAAAAAAAAABQAAABAHwAAAAAAACYAAAAAAAAAwOD//wAAAAAmAAAAZAAAABYAAABMAAAAAAAAAAAAAAAEAAAAAAAAAAEAAADu7OEKAAAAACgAAAAoAAAAZAAAAGQAAAAAAAAAzMzMAAAAAABQAAAAUAAAAGQAAABkAAAAAAAAABcAAAAUAAAAAAAAAAAAAAD/fwAA/38AAAAAAAAJAAAABAAAAFRhcmceAAAAaAAAAAAAAAAAAAAAAAAAAAAAAAAAAAAAECcAABAnAAAAAAAAAAAAAAAAAAAAAAAAAAAAAAAAAAAAAAAAAAAAABQAAAAAAAAAwMD/AAAAAABkAAAAMgAAAAAAAABkAAAAAAAAAH9/fwAKAAAAIgAAABgAAAAAAAAAAAAAAAAAAAAAAAAAAAAAAAAAAAAkAAAAJAAAAAAAAAAHAAAAAAAAAAAAAAAAAAAAAAAAAAAAAAAAAAAAf39/ACUAAABYAAAAAAAAAAAAAAAAAAAAAAAAAAAAAAAAAAAAAAAAAAAAAAAAAAAAAAAAAAAAAAA/AAAAAAAAAKCGAQAAAAAAAAAAAAAAAAAMAAAAAQAAAAAAAAAAAAAAAAAAAB8AAABUAAAAAAAABQAAAAEAAAAAAAAAAAAAAAAAAAAAAAAAAAAAAAAAAAAAAAAAAAAAAAJ/f38AAAAAA8zMzADAwP8Af39/AAAAAAAAAAAAAAAAAAAAAAAAAAAAIQAAABgAAAAUAAAA0AIAALEBAADYJwAAsCUAABAAAAAmAAAACAAAAAMAAAAAAAAA"/>
               </a:ext>
             </a:extLst>
           </p:cNvSpPr>
@@ -845,7 +848,7 @@
             <a:spLocks noGrp="1" noChangeArrowheads="1"/>
             <a:extLst>
               <a:ext uri="smNativeData">
-                <pr:smNativeData xmlns:pr="smNativeData" xmlns="smNativeData" val="SMDATA_15_0rbXYhMAAAAlAAAAZAAAAA0AAAAAkAAAAEgAAACQAAAASAAAAAAAAAABAAAAAAAAAAEAAABQAAAAAAAAAAAA4D8AAAAAAADgPwAAAAAAAOA/AAAAAAAA4D8AAAAAAADgPwAAAAAAAOA/AAAAAAAA4D8AAAAAAADgPwAAAAAAAOA/AAAAAAAA4D8CAAAAjAAAAAAAAAAAAAAAT4G9DP///wgAAAAAAAAAAAAAAAAAAAAAAAAAAAAAAAAAAAAAZAAAAAEAAABAAAAAAAAAAAAAAAAAAAAAAAAAAAAAAAAAAAAAAAAAAAAAAAAAAAAAAAAAAAAAAAAAAAAAAAAAAAAAAAAAAAAAAAAAAAAAAAAAAAAAAAAAAAAAAAAAAAAAFAAAADwAAAAAAAAAAAAAAAAAAAkUAAAAAQAAABQAAAAUAAAAFAAAAAEAAAAAAAAAZAAAAGQAAAAAAAAAZAAAAGQAAAAVAAAAYAAAAAAAAAAAAAAADwAAACADAAAAAAAAAAAAAAEAAACgMgAAVgcAAKr4//8BAAAAf39/AAEAAABkAAAAAAAAABQAAABAHwAAAAAAACYAAAAAAAAAwOD//wAAAAAmAAAAZAAAABYAAABMAAAAAAAAAAAAAAAEAAAAAAAAAAEAAADu7OEKAAAAACgAAAAoAAAAZAAAAGQAAAAAAAAAzMzMAAAAAABQAAAAUAAAAGQAAABkAAAAAAAAABcAAAAUAAAAAAAAAAAAAAD/fwAA/38AAAAAAAAJAAAABAAAABB7SpceAAAAaAAAAAAAAAAAAAAAAAAAAAAAAAAAAAAAECcAABAnAAAAAAAAAAAAAAAAAAAAAAAAAAAAAAAAAAAAAAAAAAAAABQAAAAAAAAAwMD/AAAAAABkAAAAMgAAAAAAAABkAAAAAAAAAH9/fwAKAAAAIgAAABgAAAAAAAAAAAAAAAAAAAAAAAAAAAAAAAAAAAAkAAAAJAAAAAAAAAAHAAAAAAAAAAAAAAAAAAAAAAAAAAAAAAAAAAAAf39/ACUAAABYAAAAAAAAAAAAAAAAAAAAAAAAAAAAAAAAAAAAAAAAAAAAAAAAAAAAAAAAAAAAAAA/AAAAAAAAAKCGAQAAAAAAAAAAAAAAAAAMAAAAAQAAAAAAAAAAAAAAAAAAAB8AAABUAAAAAAAABQAAAAEAAAAAAAAAAAAAAAAAAAAAAAAAAAAAAAAAAAAAAAAAAAAAAAJ/f38AAAAAA8zMzADAwP8Af39/AAAAAAAAAAAAAAAAAAAAAAAAAAAAIQAAABgAAAAUAAAA0AIAABonAADwDwAAWSkAABAAAAAmAAAACAAAAAAAAAAAAAAA"/>
+                <pr:smNativeData xmlns:pr="smNativeData" xmlns="smNativeData" val="SMDATA_15_kWHaYhMAAAAlAAAAZAAAAA0AAAAAkAAAAEgAAACQAAAASAAAAAAAAAABAAAAAAAAAAEAAABQAAAAAAAAAAAA4D8AAAAAAADgPwAAAAAAAOA/AAAAAAAA4D8AAAAAAADgPwAAAAAAAOA/AAAAAAAA4D8AAAAAAADgPwAAAAAAAOA/AAAAAAAA4D8CAAAAjAAAAAAAAAAAAAAAT4G9DP///wgAAAAAAAAAAAAAAAAAAAAAAAAAAAAAAAAAAAAAZAAAAAEAAABAAAAAAAAAAAAAAAAAAAAAAAAAAAAAAAAAAAAAAAAAAAAAAAAAAAAAAAAAAAAAAAAAAAAAAAAAAAAAAAAAAAAAAAAAAAAAAAAAAAAAAAAAAAAAAAAAAAAAFAAAADwAAAAAAAAAAAAAAAAAAAkUAAAAAQAAABQAAAAUAAAAFAAAAAEAAAAAAAAAZAAAAGQAAAAAAAAAZAAAAGQAAAAVAAAAYAAAAAAAAAAAAAAADwAAACADAAAAAAAAAAAAAAEAAACgMgAAVgcAAKr4//8BAAAAf39/AAEAAABkAAAAAAAAABQAAABAHwAAAAAAACYAAAAAAAAAwOD//wAAAAAmAAAAZAAAABYAAABMAAAAAAAAAAAAAAAEAAAAAAAAAAEAAADu7OEKAAAAACgAAAAoAAAAZAAAAGQAAAAAAAAAzMzMAAAAAABQAAAAUAAAAGQAAABkAAAAAAAAABcAAAAUAAAAAAAAAAAAAAD/fwAA/38AAAAAAAAJAAAABAAAABB7SpceAAAAaAAAAAAAAAAAAAAAAAAAAAAAAAAAAAAAECcAABAnAAAAAAAAAAAAAAAAAAAAAAAAAAAAAAAAAAAAAAAAAAAAABQAAAAAAAAAwMD/AAAAAABkAAAAMgAAAAAAAABkAAAAAAAAAH9/fwAKAAAAIgAAABgAAAAAAAAAAAAAAAAAAAAAAAAAAAAAAAAAAAAkAAAAJAAAAAAAAAAHAAAAAAAAAAAAAAAAAAAAAAAAAAAAAAAAAAAAf39/ACUAAABYAAAAAAAAAAAAAAAAAAAAAAAAAAAAAAAAAAAAAAAAAAAAAAAAAAAAAAAAAAAAAAA/AAAAAAAAAKCGAQAAAAAAAAAAAAAAAAAMAAAAAQAAAAAAAAAAAAAAAAAAAB8AAABUAAAAAAAABQAAAAEAAAAAAAAAAAAAAAAAAAAAAAAAAAAAAAAAAAAAAAAAAAAAAAJ/f38AAAAAA8zMzADAwP8Af39/AAAAAAAAAAAAAAAAAAAAAAAAAAAAIQAAABgAAAAUAAAA0AIAABonAADwDwAAWSkAABAAAAAmAAAACAAAAAAAAAAAAAAA"/>
               </a:ext>
             </a:extLst>
           </p:cNvSpPr>
@@ -861,7 +864,7 @@
             <a:pPr>
               <a:defRPr lang="fr-fr"/>
             </a:pPr>
-            <a:fld id="{1F97B976-38F2-C24F-BC2F-CE1AF7614A9B}" type="datetime1">
+            <a:fld id="{47B7FE38-76AA-E208-E40F-805DB04112D5}" type="datetime1">
               <a:t>1/04/15</a:t>
             </a:fld>
           </a:p>
@@ -874,7 +877,7 @@
             <a:spLocks noGrp="1" noChangeArrowheads="1"/>
             <a:extLst>
               <a:ext uri="smNativeData">
-                <pr:smNativeData xmlns:pr="smNativeData" xmlns="smNativeData" val="SMDATA_15_0rbXYhMAAAAlAAAAZAAAAA0AAAAAkAAAAEgAAACQAAAASAAAAAAAAAABAAAAAAAAAAEAAABQAAAAAAAAAAAA4D8AAAAAAADgPwAAAAAAAOA/AAAAAAAA4D8AAAAAAADgPwAAAAAAAOA/AAAAAAAA4D8AAAAAAADgPwAAAAAAAOA/AAAAAAAA4D8CAAAAjAAAAAAAAAAAAAAAT4G9DP///wgAAAAAAAAAAAAAAAAAAAAAAAAAAAAAAAAAAAAAZAAAAAEAAABAAAAAAAAAAAAAAAAAAAAAAAAAAAAAAAAAAAAAAAAAAAAAAAAAAAAAAAAAAAAAAAAAAAAAAAAAAAAAAAAAAAAAAAAAAAAAAAAAAAAAAAAAAAAAAAAAAAAAFAAAADwAAAAAAAAAAAAAAAAAAAkUAAAAAQAAABQAAAAUAAAAFAAAAAEAAAAAAAAAZAAAAGQAAAAAAAAAZAAAAGQAAAAVAAAAYAAAAAAAAAAAAAAADwAAACADAAAAAAAAAAAAAAEAAACgMgAAVgcAAKr4//8BAAAAf39/AAEAAABkAAAAAAAAABQAAABAHwAAAAAAACYAAAAAAAAAwOD//wAAAAAmAAAAZAAAABYAAABMAAAAAAAAAAAAAAAEAAAAAAAAAAEAAADu7OEKAAAAACgAAAAoAAAAZAAAAGQAAAAAAAAAzMzMAAAAAABQAAAAUAAAAGQAAABkAAAAAAAAABcAAAAUAAAAAAAAAAAAAAD/fwAA/38AAAAAAAAJAAAABAAAAFRhcmceAAAAaAAAAAAAAAAAAAAAAAAAAAAAAAAAAAAAECcAABAnAAAAAAAAAAAAAAAAAAAAAAAAAAAAAAAAAAAAAAAAAAAAABQAAAAAAAAAwMD/AAAAAABkAAAAMgAAAAAAAABkAAAAAAAAAH9/fwAKAAAAIgAAABgAAAAAAAAAAAAAAAAAAAAAAAAAAAAAAAAAAAAkAAAAJAAAAAAAAAAHAAAAAAAAAAAAAAAAAAAAAAAAAAAAAAAAAAAAf39/ACUAAABYAAAAAAAAAAAAAAAAAAAAAAAAAAAAAAAAAAAAAAAAAAAAAAAAAAAAAAAAAAAAAAA/AAAAAAAAAKCGAQAAAAAAAAAAAAAAAAAMAAAAAQAAAAAAAAAAAAAAAAAAAB8AAABUAAAAAAAABQAAAAEAAAAAAAAAAAAAAAAAAAAAAAAAAAAAAAAAAAAAAAAAAAAAAAJ/f38AAAAAA8zMzADAwP8Af39/AAAAAAAAAAAAAAAAAAAAAAAAAAAAIQAAABgAAAAUAAAAOBMAABonAAAIJQAAWSkAABAAAAAmAAAACAAAAAAAAAAAAAAA"/>
+                <pr:smNativeData xmlns:pr="smNativeData" xmlns="smNativeData" val="SMDATA_15_kWHaYhMAAAAlAAAAZAAAAA0AAAAAkAAAAEgAAACQAAAASAAAAAAAAAABAAAAAAAAAAEAAABQAAAAAAAAAAAA4D8AAAAAAADgPwAAAAAAAOA/AAAAAAAA4D8AAAAAAADgPwAAAAAAAOA/AAAAAAAA4D8AAAAAAADgPwAAAAAAAOA/AAAAAAAA4D8CAAAAjAAAAAAAAAAAAAAAT4G9DP///wgAAAAAAAAAAAAAAAAAAAAAAAAAAAAAAAAAAAAAZAAAAAEAAABAAAAAAAAAAAAAAAAAAAAAAAAAAAAAAAAAAAAAAAAAAAAAAAAAAAAAAAAAAAAAAAAAAAAAAAAAAAAAAAAAAAAAAAAAAAAAAAAAAAAAAAAAAAAAAAAAAAAAFAAAADwAAAAAAAAAAAAAAAAAAAkUAAAAAQAAABQAAAAUAAAAFAAAAAEAAAAAAAAAZAAAAGQAAAAAAAAAZAAAAGQAAAAVAAAAYAAAAAAAAAAAAAAADwAAACADAAAAAAAAAAAAAAEAAACgMgAAVgcAAKr4//8BAAAAf39/AAEAAABkAAAAAAAAABQAAABAHwAAAAAAACYAAAAAAAAAwOD//wAAAAAmAAAAZAAAABYAAABMAAAAAAAAAAAAAAAEAAAAAAAAAAEAAADu7OEKAAAAACgAAAAoAAAAZAAAAGQAAAAAAAAAzMzMAAAAAABQAAAAUAAAAGQAAABkAAAAAAAAABcAAAAUAAAAAAAAAAAAAAD/fwAA/38AAAAAAAAJAAAABAAAAFRhcmceAAAAaAAAAAAAAAAAAAAAAAAAAAAAAAAAAAAAECcAABAnAAAAAAAAAAAAAAAAAAAAAAAAAAAAAAAAAAAAAAAAAAAAABQAAAAAAAAAwMD/AAAAAABkAAAAMgAAAAAAAABkAAAAAAAAAH9/fwAKAAAAIgAAABgAAAAAAAAAAAAAAAAAAAAAAAAAAAAAAAAAAAAkAAAAJAAAAAAAAAAHAAAAAAAAAAAAAAAAAAAAAAAAAAAAAAAAAAAAf39/ACUAAABYAAAAAAAAAAAAAAAAAAAAAAAAAAAAAAAAAAAAAAAAAAAAAAAAAAAAAAAAAAAAAAA/AAAAAAAAAKCGAQAAAAAAAAAAAAAAAAAMAAAAAQAAAAAAAAAAAAAAAAAAAB8AAABUAAAAAAAABQAAAAEAAAAAAAAAAAAAAAAAAAAAAAAAAAAAAAAAAAAAAAAAAAAAAAJ/f38AAAAAA8zMzADAwP8Af39/AAAAAAAAAAAAAAAAAAAAAAAAAAAAIQAAABgAAAAUAAAAOBMAABonAAAIJQAAWSkAABAAAAAmAAAACAAAAAAAAAAAAAAA"/>
               </a:ext>
             </a:extLst>
           </p:cNvSpPr>
@@ -900,7 +903,7 @@
             <a:spLocks noGrp="1" noChangeArrowheads="1"/>
             <a:extLst>
               <a:ext uri="smNativeData">
-                <pr:smNativeData xmlns:pr="smNativeData" xmlns="smNativeData" val="SMDATA_15_0rbXYhMAAAAlAAAAZAAAAA0AAAAAkAAAAEgAAACQAAAASAAAAAAAAAABAAAAAAAAAAEAAABQAAAAAAAAAAAA4D8AAAAAAADgPwAAAAAAAOA/AAAAAAAA4D8AAAAAAADgPwAAAAAAAOA/AAAAAAAA4D8AAAAAAADgPwAAAAAAAOA/AAAAAAAA4D8CAAAAjAAAAAAAAAAAAAAAT4G9DP///wgAAAAAAAAAAAAAAAAAAAAAAAAAAAAAAAAAAAAAZAAAAAEAAABAAAAAAAAAAAAAAAAAAAAAAAAAAAAAAAAAAAAAAAAAAAAAAAAAAAAAAAAAAAAAAAAAAAAAAAAAAAAAAAAAAAAAAAAAAAAAAAAAAAAAAAAAAAAAAAAAAAAAFAAAADwAAAAAAAAAAAAAAAAAAAkUAAAAAQAAABQAAAAUAAAAFAAAAAEAAAAAAAAAZAAAAGQAAAAAAAAAZAAAAGQAAAAVAAAAYAAAAAAAAAAAAAAADwAAACADAAAAAAAAAAAAAAEAAACgMgAAVgcAAKr4//8BAAAAf39/AAEAAABkAAAAAAAAABQAAABAHwAAAAAAACYAAAAAAAAAwOD//wAAAAAmAAAAZAAAABYAAABMAAAAAAAAAAAAAAAEAAAAAAAAAAEAAADu7OEKAAAAACgAAAAoAAAAZAAAAGQAAAAAAAAAzMzMAAAAAABQAAAAUAAAAGQAAABkAAAAAAAAABcAAAAUAAAAAAAAAAAAAAD/fwAA/38AAAAAAAAJAAAABAAAABB7SpceAAAAaAAAAAAAAAAAAAAAAAAAAAAAAAAAAAAAECcAABAnAAAAAAAAAAAAAAAAAAAAAAAAAAAAAAAAAAAAAAAAAAAAABQAAAAAAAAAwMD/AAAAAABkAAAAMgAAAAAAAABkAAAAAAAAAH9/fwAKAAAAIgAAABgAAAAAAAAAAAAAAAAAAAAAAAAAAAAAAAAAAAAkAAAAJAAAAAAAAAAHAAAAAAAAAAAAAAAAAAAAAAAAAAAAAAAAAAAAf39/ACUAAABYAAAAAAAAAAAAAAAAAAAAAAAAAAAAAAAAAAAAAAAAAAAAAAAAAAAAAAAAAAAAAAA/AAAAAAAAAKCGAQAAAAAAAAAAAAAAAAAMAAAAAQAAAAAAAAAAAAAAAAAAAB8AAABUAAAAAAAABQAAAAEAAAAAAAAAAAAAAAAAAAAAAAAAAAAAAAAAAAAAAAAAAAAAAAJ/f38AAAAAA8zMzADAwP8Af39/AAAAAAAAAAAAAAAAAAAAAAAAAAAAIQAAABgAAAAUAAAAUCgAABonAABwNQAAWSkAABAAAAAmAAAACAAAAAAAAAAAAAAA"/>
+                <pr:smNativeData xmlns:pr="smNativeData" xmlns="smNativeData" val="SMDATA_15_kWHaYhMAAAAlAAAAZAAAAA0AAAAAkAAAAEgAAACQAAAASAAAAAAAAAABAAAAAAAAAAEAAABQAAAAAAAAAAAA4D8AAAAAAADgPwAAAAAAAOA/AAAAAAAA4D8AAAAAAADgPwAAAAAAAOA/AAAAAAAA4D8AAAAAAADgPwAAAAAAAOA/AAAAAAAA4D8CAAAAjAAAAAAAAAAAAAAAT4G9DP///wgAAAAAAAAAAAAAAAAAAAAAAAAAAAAAAAAAAAAAZAAAAAEAAABAAAAAAAAAAAAAAAAAAAAAAAAAAAAAAAAAAAAAAAAAAAAAAAAAAAAAAAAAAAAAAAAAAAAAAAAAAAAAAAAAAAAAAAAAAAAAAAAAAAAAAAAAAAAAAAAAAAAAFAAAADwAAAAAAAAAAAAAAAAAAAkUAAAAAQAAABQAAAAUAAAAFAAAAAEAAAAAAAAAZAAAAGQAAAAAAAAAZAAAAGQAAAAVAAAAYAAAAAAAAAAAAAAADwAAACADAAAAAAAAAAAAAAEAAACgMgAAVgcAAKr4//8BAAAAf39/AAEAAABkAAAAAAAAABQAAABAHwAAAAAAACYAAAAAAAAAwOD//wAAAAAmAAAAZAAAABYAAABMAAAAAAAAAAAAAAAEAAAAAAAAAAEAAADu7OEKAAAAACgAAAAoAAAAZAAAAGQAAAAAAAAAzMzMAAAAAABQAAAAUAAAAGQAAABkAAAAAAAAABcAAAAUAAAAAAAAAAAAAAD/fwAA/38AAAAAAAAJAAAABAAAABB7SpceAAAAaAAAAAAAAAAAAAAAAAAAAAAAAAAAAAAAECcAABAnAAAAAAAAAAAAAAAAAAAAAAAAAAAAAAAAAAAAAAAAAAAAABQAAAAAAAAAwMD/AAAAAABkAAAAMgAAAAAAAABkAAAAAAAAAH9/fwAKAAAAIgAAABgAAAAAAAAAAAAAAAAAAAAAAAAAAAAAAAAAAAAkAAAAJAAAAAAAAAAHAAAAAAAAAAAAAAAAAAAAAAAAAAAAAAAAAAAAf39/ACUAAABYAAAAAAAAAAAAAAAAAAAAAAAAAAAAAAAAAAAAAAAAAAAAAAAAAAAAAAAAAAAAAAA/AAAAAAAAAKCGAQAAAAAAAAAAAAAAAAAMAAAAAQAAAAAAAAAAAAAAAAAAAB8AAABUAAAAAAAABQAAAAEAAAAAAAAAAAAAAAAAAAAAAAAAAAAAAAAAAAAAAAAAAAAAAAJ/f38AAAAAA8zMzADAwP8Af39/AAAAAAAAAAAAAAAAAAAAAAAAAAAAIQAAABgAAAAUAAAAUCgAABonAABwNQAAWSkAABAAAAAmAAAACAAAAAAAAAAAAAAA"/>
               </a:ext>
             </a:extLst>
           </p:cNvSpPr>
@@ -916,7 +919,7 @@
             <a:pPr>
               <a:defRPr lang="fr-fr"/>
             </a:pPr>
-            <a:fld id="{0E316D7B-35E3-649B-AD89-C3CE23C75B96}" type="slidenum">
+            <a:fld id="{5E489EDE-90B3-1D68-FDF0-663DD0BE0B33}" type="slidenum">
               <a:t>‹#›</a:t>
             </a:fld>
           </a:p>
@@ -955,7 +958,7 @@
             <a:spLocks noGrp="1" noChangeArrowheads="1"/>
             <a:extLst>
               <a:ext uri="smNativeData">
-                <pr:smNativeData xmlns:pr="smNativeData" xmlns="smNativeData" val="SMDATA_15_0rbXYhMAAAAlAAAAZAAAAA0AAAAAkAAAAEgAAACQAAAASAAAAAAAAAABAAAAAAAAAAEAAABQAAAAAAAAAAAA4D8AAAAAAADgPwAAAAAAAOA/AAAAAAAA4D8AAAAAAADgPwAAAAAAAOA/AAAAAAAA4D8AAAAAAADgPwAAAAAAAOA/AAAAAAAA4D8CAAAAjAAAAAAAAAAAAAAAT4G9DP///wgAAAAAAAAAAAAAAAAAAAAAAAAAAAAAAAAAAAAAZAAAAAEAAABAAAAAAAAAAAAAAAAAAAAAAAAAAAAAAAAAAAAAAAAAAAAAAAAAAAAAAAAAAAAAAAAAAAAAAAAAAAAAAAAAAAAAAAAAAAAAAAAAAAAAAAAAAAAAAAAAAAAAFAAAADwAAAAAAAAAAAAAAAAAAAkUAAAAAQAAABQAAAAUAAAAFAAAAAEAAAAAAAAAZAAAAGQAAAAAAAAAZAAAAGQAAAAVAAAAYAAAAAAAAAAAAAAADwAAACADAAAAAAAAAAAAAAEAAACgMgAAVgcAAKr4//8BAAAAf39/AAEAAABkAAAAAAAAABQAAABAHwAAAAAAACYAAAAAAAAAwOD//wAAAAAmAAAAZAAAABYAAABMAAAAAAAAAAAAAAAEAAAAAAAAAAEAAADu7OEKAAAAACgAAAAoAAAAZAAAAGQAAAAAAAAAzMzMAAAAAABQAAAAUAAAAGQAAABkAAAAAAAAABcAAAAUAAAAAAAAAAAAAAD/fwAA/38AAAAAAAAJAAAABAAAAGZ3QUEeAAAAaAAAAAAAAAAAAAAAAAAAAAAAAAAAAAAAECcAABAnAAAAAAAAAAAAAAAAAAAAAAAAAAAAAAAAAAAAAAAAAAAAABQAAAAAAAAAwMD/AAAAAABkAAAAMgAAAAAAAABkAAAAAAAAAH9/fwAKAAAAIgAAABgAAAAAAAAAAAAAAAAAAAAAAAAAAAAAAAAAAAAkAAAAJAAAAAAAAAAHAAAAAAAAAAAAAAAAAAAAAAAAAAAAAAAAAAAAf39/ACUAAABYAAAAAAAAAAAAAAAAAAAAAAAAAAAAAAAAAAAAAAAAAAAAAAAAAAAAAAAAAAAAAAA/AAAAAAAAAKCGAQAAAAAAAAAAAAAAAAAMAAAAAQAAAAAAAAAAAAAAAAAAAB8AAABUAAAAAAAABQAAAAEAAAAAAAAAAAAAAAAAAAAAAAAAAAAAAAAAAAAAAAAAAAAAAAJ/f38AAAAAA8zMzADAwP8Af39/AAAAAAAAAAAAAAAAAAAAAAAAAAAAIQAAABgAAAAUAAAA0AIAALEBAABwNQAAuQgAABAAAAAmAAAACAAAAAAAAAAAAAAA"/>
+                <pr:smNativeData xmlns:pr="smNativeData" xmlns="smNativeData" val="SMDATA_15_kWHaYhMAAAAlAAAAZAAAAA0AAAAAkAAAAEgAAACQAAAASAAAAAAAAAABAAAAAAAAAAEAAABQAAAAAAAAAAAA4D8AAAAAAADgPwAAAAAAAOA/AAAAAAAA4D8AAAAAAADgPwAAAAAAAOA/AAAAAAAA4D8AAAAAAADgPwAAAAAAAOA/AAAAAAAA4D8CAAAAjAAAAAEAAAAAAAAA5ubmAP///wgAAAAAAAAAAAAAAAAAAAAAAAAAAAAAAAAAAAAAeAAAAAEAAABAAAAAAAAAAAAAAABaAAAAAAAAAAAAAAAAAAAAAAAAAAAAAAAAAAAAAAAAAAAAAAAAAAAAAAAAAAAAAAAAAAAAAAAAAAAAAAAAAAAAAAAAAAAAAAAAAAAAFAAAADwAAAAAAAAAAAAAAAAAAAkUAAAAAQAAABQAAAAUAAAAFAAAAAEAAAAAAAAAZAAAAGQAAAAAAAAAZAAAAGQAAAAVAAAAYAAAAAAAAAAAAAAADwAAACADAAAAAAAAAAAAAAEAAACgMgAAVgcAAKr4//8BAAAAf39/AAEAAABkAAAAAAAAABQAAABAHwAAAAAAACYAAAAAAAAAwOD//wAAAAAmAAAAZAAAABYAAABMAAAAAAAAAAAAAAAEAAAAAAAAAAEAAADu7OEKAAAAACgAAAAoAAAAZAAAAGQAAAAAAAAAzMzMAAAAAABQAAAAUAAAAGQAAABkAAAAAAAAABcAAAAUAAAAAAAAAAAAAAD/fwAA/38AAAAAAAAJAAAABAAAAGZ3QUEeAAAAaAAAAAAAAAAAAAAAAAAAAAAAAAAAAAAAECcAABAnAAAAAAAAAAAAAAAAAAAAAAAAAAAAAAAAAAAAAAAAAAAAABQAAAAAAAAAwMD/AAAAAABkAAAAMgAAAAAAAABkAAAAAAAAAH9/fwAKAAAAIgAAABgAAAAAAAAAAAAAAAAAAAAAAAAAAAAAAAAAAAAkAAAAJAAAAAAAAAAHAAAAAAAAAAAAAAAAAAAAAAAAAAAAAAAAAAAAf39/ACUAAABYAAAAAAAAAAAAAAAAAAAAAAAAAAAAAAAAAAAAAAAAAAAAAAAAAAAAAAAAAAAAAAA/AAAAAAAAAKCGAQAAAAAAAAAAAAAAAAAMAAAAAQAAAAAAAAAAAAAAAAAAAB8AAABUAAAA5ubmAP///wEAAAAAAAAAAAAAAAAAAAAAAAAAAAAAAAAAAAAAAAAAAAAAAAJ/f38A7uzhA8zMzADAwP8Af39/AAAAAAAAAAAAAAAAAAAAAAAAAAAAIQAAABgAAAAUAAAA0AIAALEBAABwNQAAuQgAABAAAAAmAAAACAAAAAAAAAAAAAAA"/>
               </a:ext>
             </a:extLst>
           </p:cNvSpPr>
@@ -984,7 +987,7 @@
             <a:spLocks noGrp="1" noChangeArrowheads="1"/>
             <a:extLst>
               <a:ext uri="smNativeData">
-                <pr:smNativeData xmlns:pr="smNativeData" xmlns="smNativeData" val="SMDATA_15_0rbXYhMAAAAlAAAAZAAAAA0AAAAAkAAAAEgAAACQAAAASAAAAAAAAAAAAAAAAAAAAAEAAABQAAAAAAAAAAAA4D8AAAAAAADgPwAAAAAAAOA/AAAAAAAA4D8AAAAAAADgPwAAAAAAAOA/AAAAAAAA4D8AAAAAAADgPwAAAAAAAOA/AAAAAAAA4D8CAAAAjAAAAAAAAAAAAAAAT4G9DP///wgAAAAAAAAAAAAAAAAAAAAAAAAAAAAAAAAAAAAAZAAAAAEAAABAAAAAAAAAAAAAAAAAAAAAAAAAAAAAAAAAAAAAAAAAAAAAAAAAAAAAAAAAAAAAAAAAAAAAAAAAAAAAAAAAAAAAAAAAAAAAAAAAAAAAAAAAAAAAAAAAAAAAFAAAADwAAAAAAAAAAAAAAAAAAAkUAAAAAQAAABQAAAAUAAAAFAAAAAEAAAAAAAAAZAAAAGQAAAAAAAAAZAAAAGQAAAAVAAAAYAAAAAAAAAAAAAAADwAAACADAAAAAAAAAAAAAAEAAACgMgAAVgcAAKr4//8BAAAAf39/AAEAAABkAAAAAAAAABQAAABAHwAAAAAAACYAAAAAAAAAwOD//wAAAAAmAAAAZAAAABYAAABMAAAAAAAAAAAAAAAEAAAAAAAAAAEAAADu7OEKAAAAACgAAAAoAAAAZAAAAGQAAAAAAAAAzMzMAAAAAABQAAAAUAAAAGQAAABkAAAAAAAAABcAAAAUAAAAAAAAAAAAAAD/fwAA/38AAAAAAAAJAAAABAAAAEEAQQAeAAAAaAAAAAAAAAAAAAAAAAAAAAAAAAAAAAAAECcAABAnAAAAAAAAAAAAAAAAAAAAAAAAAAAAAAAAAAAAAAAAAAAAABQAAAAAAAAAwMD/AAAAAABkAAAAMgAAAAAAAABkAAAAAAAAAH9/fwAKAAAAIgAAABgAAAAAAAAAAAAAAAAAAAAAAAAAAAAAAAAAAAAkAAAAJAAAAAAAAAAHAAAAAAAAAAAAAAAAAAAAAAAAAAAAAAAAAAAAf39/ACUAAABYAAAAAAAAAAAAAAAAAAAAAAAAAAAAAAAAAAAAAAAAAAAAAAAAAAAAAAAAAAAAAAA/AAAAAAAAAKCGAQAAAAAAAAAAAAAAAAAMAAAAAQAAAAAAAAAAAAAAAAAAAB8AAABUAAAAAAAABQAAAAEAAAAAAAAAAAAAAAAAAAAAAAAAAAAAAAAAAAAAAAAAAAAAAAJ/f38AAAAAA8zMzADAwP8Af39/AAAAAAAAAAAAAAAAAAAAAAAAAAAAIQAAABgAAAAUAAAA0AIAANgJAABwNQAAsCUAABAAAAAmAAAACAAAAAAAAAAAAAAA"/>
+                <pr:smNativeData xmlns:pr="smNativeData" xmlns="smNativeData" val="SMDATA_15_kWHaYhMAAAAlAAAAZAAAAA0AAAAAkAAAAEgAAACQAAAASAAAAAAAAAAAAAAAAAAAAAEAAABQAAAAAAAAAAAA4D8AAAAAAADgPwAAAAAAAOA/AAAAAAAA4D8AAAAAAADgPwAAAAAAAOA/AAAAAAAA4D8AAAAAAADgPwAAAAAAAOA/AAAAAAAA4D8CAAAAjAAAAAAAAAAAAAAAT4G9DP///wgAAAAAAAAAAAAAAAAAAAAAAAAAAAAAAAAAAAAAZAAAAAEAAABAAAAAAAAAAAAAAAAAAAAAAAAAAAAAAAAAAAAAAAAAAAAAAAAAAAAAAAAAAAAAAAAAAAAAAAAAAAAAAAAAAAAAAAAAAAAAAAAAAAAAAAAAAAAAAAAAAAAAFAAAADwAAAAAAAAAAAAAAAAAAAkUAAAAAQAAABQAAAAUAAAAFAAAAAEAAAAAAAAAZAAAAGQAAAAAAAAAZAAAAGQAAAAVAAAAYAAAAAAAAAAAAAAADwAAACADAAAAAAAAAAAAAAEAAACgMgAAVgcAAKr4//8BAAAAf39/AAEAAABkAAAAAAAAABQAAABAHwAAAAAAACYAAAAAAAAAwOD//wAAAAAmAAAAZAAAABYAAABMAAAAAAAAAAAAAAAEAAAAAAAAAAEAAADu7OEKAAAAACgAAAAoAAAAZAAAAGQAAAAAAAAAzMzMAAAAAABQAAAAUAAAAGQAAABkAAAAAAAAABcAAAAUAAAAAAAAAAAAAAD/fwAA/38AAAAAAAAJAAAABAAAAEEAQQAeAAAAaAAAAAAAAAAAAAAAAAAAAAAAAAAAAAAAECcAABAnAAAAAAAAAAAAAAAAAAAAAAAAAAAAAAAAAAAAAAAAAAAAABQAAAAAAAAAwMD/AAAAAABkAAAAMgAAAAAAAABkAAAAAAAAAH9/fwAKAAAAIgAAABgAAAAAAAAAAAAAAAAAAAAAAAAAAAAAAAAAAAAkAAAAJAAAAAAAAAAHAAAAAAAAAAAAAAAAAAAAAAAAAAAAAAAAAAAAf39/ACUAAABYAAAAAAAAAAAAAAAAAAAAAAAAAAAAAAAAAAAAAAAAAAAAAAAAAAAAAAAAAAAAAAA/AAAAAAAAAKCGAQAAAAAAAAAAAAAAAAAMAAAAAQAAAAAAAAAAAAAAAAAAAB8AAABUAAAAT4G9Bf///wEAAAAAAAAAAAAAAAAAAAAAAAAAAAAAAAAAAAAAAAAAAAAAAAJ/f38A7uzhA8zMzADAwP8Af39/AAAAAAAAAAAAAAAAAAAAAAAAAAAAIQAAABgAAAAUAAAA0AIAANgJAABwNQAAsCUAABAAAAAmAAAACAAAAAAAAAAAAAAA"/>
               </a:ext>
             </a:extLst>
           </p:cNvSpPr>
@@ -1045,7 +1048,7 @@
             <a:spLocks noGrp="1" noChangeArrowheads="1"/>
             <a:extLst>
               <a:ext uri="smNativeData">
-                <pr:smNativeData xmlns:pr="smNativeData" xmlns="smNativeData" val="SMDATA_15_0rbXYhMAAAAlAAAAZAAAAA0AAAAAkAAAAEgAAACQAAAASAAAAAAAAAABAAAAAAAAAAEAAABQAAAAAAAAAAAA4D8AAAAAAADgPwAAAAAAAOA/AAAAAAAA4D8AAAAAAADgPwAAAAAAAOA/AAAAAAAA4D8AAAAAAADgPwAAAAAAAOA/AAAAAAAA4D8CAAAAjAAAAAAAAAAAAAAAT4G9DP///wgAAAAAAAAAAAAAAAAAAAAAAAAAAAAAAAAAAAAAZAAAAAEAAABAAAAAAAAAAAAAAAAAAAAAAAAAAAAAAAAAAAAAAAAAAAAAAAAAAAAAAAAAAAAAAAAAAAAAAAAAAAAAAAAAAAAAAAAAAAAAAAAAAAAAAAAAAAAAAAAAAAAAFAAAADwAAAAAAAAAAAAAAAAAAAkUAAAAAQAAABQAAAAUAAAAFAAAAAEAAAAAAAAAZAAAAGQAAAAAAAAAZAAAAGQAAAAVAAAAYAAAAAAAAAAAAAAADwAAACADAAAAAAAAAAAAAAEAAACgMgAAVgcAAKr4//8BAAAAf39/AAEAAABkAAAAAAAAABQAAABAHwAAAAAAACYAAAAAAAAAwOD//wAAAAAmAAAAZAAAABYAAABMAAAAAAAAAAAAAAAEAAAAAAAAAAEAAADu7OEKAAAAACgAAAAoAAAAZAAAAGQAAAAAAAAAzMzMAAAAAABQAAAAUAAAAGQAAABkAAAAAAAAABcAAAAUAAAAAAAAAAAAAAD/fwAA/38AAAAAAAAJAAAABAAAAAAAAAAeAAAAaAAAAAAAAAAAAAAAAAAAAAAAAAAAAAAAECcAABAnAAAAAAAAAAAAAAAAAAAAAAAAAAAAAAAAAAAAAAAAAAAAABQAAAAAAAAAwMD/AAAAAABkAAAAMgAAAAAAAABkAAAAAAAAAH9/fwAKAAAAIgAAABgAAAAAAAAAAAAAAAAAAAAAAAAAAAAAAAAAAAAkAAAAJAAAAAAAAAAHAAAAAAAAAAAAAAAAAAAAAAAAAAAAAAAAAAAAf39/ACUAAABYAAAAAAAAAAAAAAAAAAAAAAAAAAAAAAAAAAAAAAAAAAAAAAAAAAAAAAAAAAAAAAA/AAAAAAAAAKCGAQAAAAAAAAAAAAAAAAAMAAAAAQAAAAAAAAAAAAAAAAAAAB8AAABUAAAAAAAABQAAAAEAAAAAAAAAAAAAAAAAAAAAAAAAAAAAAAAAAAAAAAAAAAAAAAJ/f38AAAAAA8zMzADAwP8Af39/AAAAAAAAAAAAAAAAAAAAAAAAAAAAIQAAABgAAAAUAAAA0AIAABonAADwDwAAWSkAABAAAAAmAAAACAAAAAAAAAAAAAAA"/>
+                <pr:smNativeData xmlns:pr="smNativeData" xmlns="smNativeData" val="SMDATA_15_kWHaYhMAAAAlAAAAZAAAAA0AAAAAkAAAAEgAAACQAAAASAAAAAAAAAABAAAAAAAAAAEAAABQAAAAAAAAAAAA4D8AAAAAAADgPwAAAAAAAOA/AAAAAAAA4D8AAAAAAADgPwAAAAAAAOA/AAAAAAAA4D8AAAAAAADgPwAAAAAAAOA/AAAAAAAA4D8CAAAAjAAAAAAAAAAAAAAAT4G9DP///wgAAAAAAAAAAAAAAAAAAAAAAAAAAAAAAAAAAAAAZAAAAAEAAABAAAAAAAAAAAAAAAAAAAAAAAAAAAAAAAAAAAAAAAAAAAAAAAAAAAAAAAAAAAAAAAAAAAAAAAAAAAAAAAAAAAAAAAAAAAAAAAAAAAAAAAAAAAAAAAAAAAAAFAAAADwAAAAAAAAAAAAAAAAAAAkUAAAAAQAAABQAAAAUAAAAFAAAAAEAAAAAAAAAZAAAAGQAAAAAAAAAZAAAAGQAAAAVAAAAYAAAAAAAAAAAAAAADwAAACADAAAAAAAAAAAAAAEAAACgMgAAVgcAAKr4//8BAAAAf39/AAEAAABkAAAAAAAAABQAAABAHwAAAAAAACYAAAAAAAAAwOD//wAAAAAmAAAAZAAAABYAAABMAAAAAAAAAAAAAAAEAAAAAAAAAAEAAADu7OEKAAAAACgAAAAoAAAAZAAAAGQAAAAAAAAAzMzMAAAAAABQAAAAUAAAAGQAAABkAAAAAAAAABcAAAAUAAAAAAAAAAAAAAD/fwAA/38AAAAAAAAJAAAABAAAAAAAAAAeAAAAaAAAAAAAAAAAAAAAAAAAAAAAAAAAAAAAECcAABAnAAAAAAAAAAAAAAAAAAAAAAAAAAAAAAAAAAAAAAAAAAAAABQAAAAAAAAAwMD/AAAAAABkAAAAMgAAAAAAAABkAAAAAAAAAH9/fwAKAAAAIgAAABgAAAAAAAAAAAAAAAAAAAAAAAAAAAAAAAAAAAAkAAAAJAAAAAAAAAAHAAAAAAAAAAAAAAAAAAAAAAAAAAAAAAAAAAAAf39/ACUAAABYAAAAAAAAAAAAAAAAAAAAAAAAAAAAAAAAAAAAAAAAAAAAAAAAAAAAAAAAAAAAAAA/AAAAAAAAAKCGAQAAAAAAAAAAAAAAAAAMAAAAAQAAAAAAAAAAAAAAAAAAAB8AAABUAAAAT4G9Bf///wEAAAAAAAAAAAAAAAAAAAAAAAAAAAAAAAAAAAAAAAAAAAAAAAJ/f38A7uzhA8zMzADAwP8Af39/AAAAAAAAAAAAAAAAAAAAAAAAAAAAIQAAABgAAAAUAAAA0AIAABonAADwDwAAWSkAABAAAAAmAAAACAAAAAAAAAAAAAAA"/>
               </a:ext>
             </a:extLst>
           </p:cNvSpPr>
@@ -1061,7 +1064,7 @@
             <a:pPr>
               <a:defRPr lang="fr-fr"/>
             </a:pPr>
-            <a:fld id="{1E4436DE-90F3-11C0-BDFC-669578B24B33}" type="datetime1">
+            <a:fld id="{7D85885D-1390-D07E-DE3D-E52BC67328B0}" type="datetime1">
               <a:t/>
             </a:fld>
           </a:p>
@@ -1074,7 +1077,7 @@
             <a:spLocks noGrp="1" noChangeArrowheads="1"/>
             <a:extLst>
               <a:ext uri="smNativeData">
-                <pr:smNativeData xmlns:pr="smNativeData" xmlns="smNativeData" val="SMDATA_15_0rbXYhMAAAAlAAAAZAAAAA0AAAAAkAAAAEgAAACQAAAASAAAAAAAAAABAAAAAAAAAAEAAABQAAAAAAAAAAAA4D8AAAAAAADgPwAAAAAAAOA/AAAAAAAA4D8AAAAAAADgPwAAAAAAAOA/AAAAAAAA4D8AAAAAAADgPwAAAAAAAOA/AAAAAAAA4D8CAAAAjAAAAAAAAAAAAAAAT4G9DP///wgAAAAAAAAAAAAAAAAAAAAAAAAAAAAAAAAAAAAAZAAAAAEAAABAAAAAAAAAAAAAAAAAAAAAAAAAAAAAAAAAAAAAAAAAAAAAAAAAAAAAAAAAAAAAAAAAAAAAAAAAAAAAAAAAAAAAAAAAAAAAAAAAAAAAAAAAAAAAAAAAAAAAFAAAADwAAAAAAAAAAAAAAAAAAAkUAAAAAQAAABQAAAAUAAAAFAAAAAEAAAAAAAAAZAAAAGQAAAAAAAAAZAAAAGQAAAAVAAAAYAAAAAAAAAAAAAAADwAAACADAAAAAAAAAAAAAAEAAACgMgAAVgcAAKr4//8BAAAAf39/AAEAAABkAAAAAAAAABQAAABAHwAAAAAAACYAAAAAAAAAwOD//wAAAAAmAAAAZAAAABYAAABMAAAAAAAAAAAAAAAEAAAAAAAAAAEAAADu7OEKAAAAACgAAAAoAAAAZAAAAGQAAAAAAAAAzMzMAAAAAABQAAAAUAAAAGQAAABkAAAAAAAAABcAAAAUAAAAAAAAAAAAAAD/fwAA/38AAAAAAAAJAAAABAAAAAAAAAAeAAAAaAAAAAAAAAAAAAAAAAAAAAAAAAAAAAAAECcAABAnAAAAAAAAAAAAAAAAAAAAAAAAAAAAAAAAAAAAAAAAAAAAABQAAAAAAAAAwMD/AAAAAABkAAAAMgAAAAAAAABkAAAAAAAAAH9/fwAKAAAAIgAAABgAAAAAAAAAAAAAAAAAAAAAAAAAAAAAAAAAAAAkAAAAJAAAAAAAAAAHAAAAAAAAAAAAAAAAAAAAAAAAAAAAAAAAAAAAf39/ACUAAABYAAAAAAAAAAAAAAAAAAAAAAAAAAAAAAAAAAAAAAAAAAAAAAAAAAAAAAAAAAAAAAA/AAAAAAAAAKCGAQAAAAAAAAAAAAAAAAAMAAAAAQAAAAAAAAAAAAAAAAAAAB8AAABUAAAAAAAABQAAAAEAAAAAAAAAAAAAAAAAAAAAAAAAAAAAAAAAAAAAAAAAAAAAAAJ/f38AAAAAA8zMzADAwP8Af39/AAAAAAAAAAAAAAAAAAAAAAAAAAAAIQAAABgAAAAUAAAAOBMAABonAAAIJQAAWSkAABAAAAAmAAAACAAAAAAAAAAAAAAA"/>
+                <pr:smNativeData xmlns:pr="smNativeData" xmlns="smNativeData" val="SMDATA_15_kWHaYhMAAAAlAAAAZAAAAA0AAAAAkAAAAEgAAACQAAAASAAAAAAAAAABAAAAAAAAAAEAAABQAAAAAAAAAAAA4D8AAAAAAADgPwAAAAAAAOA/AAAAAAAA4D8AAAAAAADgPwAAAAAAAOA/AAAAAAAA4D8AAAAAAADgPwAAAAAAAOA/AAAAAAAA4D8CAAAAjAAAAAAAAAAAAAAAT4G9DP///wgAAAAAAAAAAAAAAAAAAAAAAAAAAAAAAAAAAAAAZAAAAAEAAABAAAAAAAAAAAAAAAAAAAAAAAAAAAAAAAAAAAAAAAAAAAAAAAAAAAAAAAAAAAAAAAAAAAAAAAAAAAAAAAAAAAAAAAAAAAAAAAAAAAAAAAAAAAAAAAAAAAAAFAAAADwAAAAAAAAAAAAAAAAAAAkUAAAAAQAAABQAAAAUAAAAFAAAAAEAAAAAAAAAZAAAAGQAAAAAAAAAZAAAAGQAAAAVAAAAYAAAAAAAAAAAAAAADwAAACADAAAAAAAAAAAAAAEAAACgMgAAVgcAAKr4//8BAAAAf39/AAEAAABkAAAAAAAAABQAAABAHwAAAAAAACYAAAAAAAAAwOD//wAAAAAmAAAAZAAAABYAAABMAAAAAAAAAAAAAAAEAAAAAAAAAAEAAADu7OEKAAAAACgAAAAoAAAAZAAAAGQAAAAAAAAAzMzMAAAAAABQAAAAUAAAAGQAAABkAAAAAAAAABcAAAAUAAAAAAAAAAAAAAD/fwAA/38AAAAAAAAJAAAABAAAAAAAAAAeAAAAaAAAAAAAAAAAAAAAAAAAAAAAAAAAAAAAECcAABAnAAAAAAAAAAAAAAAAAAAAAAAAAAAAAAAAAAAAAAAAAAAAABQAAAAAAAAAwMD/AAAAAABkAAAAMgAAAAAAAABkAAAAAAAAAH9/fwAKAAAAIgAAABgAAAAAAAAAAAAAAAAAAAAAAAAAAAAAAAAAAAAkAAAAJAAAAAAAAAAHAAAAAAAAAAAAAAAAAAAAAAAAAAAAAAAAAAAAf39/ACUAAABYAAAAAAAAAAAAAAAAAAAAAAAAAAAAAAAAAAAAAAAAAAAAAAAAAAAAAAAAAAAAAAA/AAAAAAAAAKCGAQAAAAAAAAAAAAAAAAAMAAAAAQAAAAAAAAAAAAAAAAAAAB8AAABUAAAAT4G9Bf///wEAAAAAAAAAAAAAAAAAAAAAAAAAAAAAAAAAAAAAAAAAAAAAAAJ/f38A7uzhA8zMzADAwP8Af39/AAAAAAAAAAAAAAAAAAAAAAAAAAAAIQAAABgAAAAUAAAAOBMAABonAAAIJQAAWSkAABAAAAAmAAAACAAAAAAAAAAAAAAA"/>
               </a:ext>
             </a:extLst>
           </p:cNvSpPr>
@@ -1100,7 +1103,7 @@
             <a:spLocks noGrp="1" noChangeArrowheads="1"/>
             <a:extLst>
               <a:ext uri="smNativeData">
-                <pr:smNativeData xmlns:pr="smNativeData" xmlns="smNativeData" val="SMDATA_15_0rbXYhMAAAAlAAAAZAAAAA0AAAAAkAAAAEgAAACQAAAASAAAAAAAAAABAAAAAAAAAAEAAABQAAAAAAAAAAAA4D8AAAAAAADgPwAAAAAAAOA/AAAAAAAA4D8AAAAAAADgPwAAAAAAAOA/AAAAAAAA4D8AAAAAAADgPwAAAAAAAOA/AAAAAAAA4D8CAAAAjAAAAAAAAAAAAAAAT4G9DP///wgAAAAAAAAAAAAAAAAAAAAAAAAAAAAAAAAAAAAAZAAAAAEAAABAAAAAAAAAAAAAAAAAAAAAAAAAAAAAAAAAAAAAAAAAAAAAAAAAAAAAAAAAAAAAAAAAAAAAAAAAAAAAAAAAAAAAAAAAAAAAAAAAAAAAAAAAAAAAAAAAAAAAFAAAADwAAAAAAAAAAAAAAAAAAAkUAAAAAQAAABQAAAAUAAAAFAAAAAEAAAAAAAAAZAAAAGQAAAAAAAAAZAAAAGQAAAAVAAAAYAAAAAAAAAAAAAAADwAAACADAAAAAAAAAAAAAAEAAACgMgAAVgcAAKr4//8BAAAAf39/AAEAAABkAAAAAAAAABQAAABAHwAAAAAAACYAAAAAAAAAwOD//wAAAAAmAAAAZAAAABYAAABMAAAAAAAAAAAAAAAEAAAAAAAAAAEAAADu7OEKAAAAACgAAAAoAAAAZAAAAGQAAAAAAAAAzMzMAAAAAABQAAAAUAAAAGQAAABkAAAAAAAAABcAAAAUAAAAAAAAAAAAAAD/fwAA/38AAAAAAAAJAAAABAAAAHDiWBoeAAAAaAAAAAAAAAAAAAAAAAAAAAAAAAAAAAAAECcAABAnAAAAAAAAAAAAAAAAAAAAAAAAAAAAAAAAAAAAAAAAAAAAABQAAAAAAAAAwMD/AAAAAABkAAAAMgAAAAAAAABkAAAAAAAAAH9/fwAKAAAAIgAAABgAAAAAAAAAAAAAAAAAAAAAAAAAAAAAAAAAAAAkAAAAJAAAAAAAAAAHAAAAAAAAAAAAAAAAAAAAAAAAAAAAAAAAAAAAf39/ACUAAABYAAAAAAAAAAAAAAAAAAAAAAAAAAAAAAAAAAAAAAAAAAAAAAAAAAAAAAAAAAAAAAA/AAAAAAAAAKCGAQAAAAAAAAAAAAAAAAAMAAAAAQAAAAAAAAAAAAAAAAAAAB8AAABUAAAAAAAABQAAAAEAAAAAAAAAAAAAAAAAAAAAAAAAAAAAAAAAAAAAAAAAAAAAAAJ/f38AAAAAA8zMzADAwP8Af39/AAAAAAAAAAAAAAAAAAAAAAAAAAAAIQAAABgAAAAUAAAAUCgAABonAABwNQAAWSkAABAAAAAmAAAACAAAAAAAAAAAAAAA"/>
+                <pr:smNativeData xmlns:pr="smNativeData" xmlns="smNativeData" val="SMDATA_15_kWHaYhMAAAAlAAAAZAAAAA0AAAAAkAAAAEgAAACQAAAASAAAAAAAAAABAAAAAAAAAAEAAABQAAAAAAAAAAAA4D8AAAAAAADgPwAAAAAAAOA/AAAAAAAA4D8AAAAAAADgPwAAAAAAAOA/AAAAAAAA4D8AAAAAAADgPwAAAAAAAOA/AAAAAAAA4D8CAAAAjAAAAAAAAAAAAAAAT4G9DP///wgAAAAAAAAAAAAAAAAAAAAAAAAAAAAAAAAAAAAAZAAAAAEAAABAAAAAAAAAAAAAAAAAAAAAAAAAAAAAAAAAAAAAAAAAAAAAAAAAAAAAAAAAAAAAAAAAAAAAAAAAAAAAAAAAAAAAAAAAAAAAAAAAAAAAAAAAAAAAAAAAAAAAFAAAADwAAAAAAAAAAAAAAAAAAAkUAAAAAQAAABQAAAAUAAAAFAAAAAEAAAAAAAAAZAAAAGQAAAAAAAAAZAAAAGQAAAAVAAAAYAAAAAAAAAAAAAAADwAAACADAAAAAAAAAAAAAAEAAACgMgAAVgcAAKr4//8BAAAAf39/AAEAAABkAAAAAAAAABQAAABAHwAAAAAAACYAAAAAAAAAwOD//wAAAAAmAAAAZAAAABYAAABMAAAAAAAAAAAAAAAEAAAAAAAAAAEAAADu7OEKAAAAACgAAAAoAAAAZAAAAGQAAAAAAAAAzMzMAAAAAABQAAAAUAAAAGQAAABkAAAAAAAAABcAAAAUAAAAAAAAAAAAAAD/fwAA/38AAAAAAAAJAAAABAAAAHDiWBoeAAAAaAAAAAAAAAAAAAAAAAAAAAAAAAAAAAAAECcAABAnAAAAAAAAAAAAAAAAAAAAAAAAAAAAAAAAAAAAAAAAAAAAABQAAAAAAAAAwMD/AAAAAABkAAAAMgAAAAAAAABkAAAAAAAAAH9/fwAKAAAAIgAAABgAAAAAAAAAAAAAAAAAAAAAAAAAAAAAAAAAAAAkAAAAJAAAAAAAAAAHAAAAAAAAAAAAAAAAAAAAAAAAAAAAAAAAAAAAf39/ACUAAABYAAAAAAAAAAAAAAAAAAAAAAAAAAAAAAAAAAAAAAAAAAAAAAAAAAAAAAAAAAAAAAA/AAAAAAAAAKCGAQAAAAAAAAAAAAAAAAAMAAAAAQAAAAAAAAAAAAAAAAAAAB8AAABUAAAAT4G9Bf///wEAAAAAAAAAAAAAAAAAAAAAAAAAAAAAAAAAAAAAAAAAAAAAAAJ/f38A7uzhA8zMzADAwP8Af39/AAAAAAAAAAAAAAAAAAAAAAAAAAAAIQAAABgAAAAUAAAAUCgAABonAABwNQAAWSkAABAAAAAmAAAACAAAAAAAAAAAAAAA"/>
               </a:ext>
             </a:extLst>
           </p:cNvSpPr>
@@ -1116,7 +1119,7 @@
             <a:pPr>
               <a:defRPr lang="fr-fr"/>
             </a:pPr>
-            <a:fld id="{6E90D800-4E83-C52E-CD28-B87B96663BED}" type="slidenum">
+            <a:fld id="{689A7850-1E85-CF8E-CB22-E8DB366C3DBD}" type="slidenum">
               <a:t/>
             </a:fld>
           </a:p>
@@ -1155,7 +1158,7 @@
             <a:spLocks noGrp="1" noChangeArrowheads="1"/>
             <a:extLst>
               <a:ext uri="smNativeData">
-                <pr:smNativeData xmlns:pr="smNativeData" xmlns="smNativeData" val="SMDATA_15_0rbXYhMAAAAlAAAAZAAAAA0AAAAAkAAAAEgAAACQAAAASAAAAAAAAAAAAAAAAAAAAAEAAABQAAAAAAAAAAAA4D8AAAAAAADgPwAAAAAAAOA/AAAAAAAA4D8AAAAAAADgPwAAAAAAAOA/AAAAAAAA4D8AAAAAAADgPwAAAAAAAOA/AAAAAAAA4D8CAAAAjAAAAAAAAAAAAAAAT4G9DP///wgAAAAAAAAAAAAAAAAAAAAAAAAAAAAAAAAAAAAAZAAAAAEAAABAAAAAAAAAAAAAAAAAAAAAAAAAAAAAAAAAAAAAAAAAAAAAAAAAAAAAAAAAAAAAAAAAAAAAAAAAAAAAAAAAAAAAAAAAAAAAAAAAAAAAAAAAAAAAAAAAAAAAFAAAADwAAAAAAAAAAAAAAAAAAAkUAAAAAQAAABQAAAAUAAAAFAAAAAEAAAAAAAAAZAAAAGQAAAAAAAAAZAAAAGQAAAAVAAAAYAAAAAAAAAAAAAAADwAAACADAAAAAAAAAAAAAAEAAACgMgAAVgcAAKr4//8BAAAAf39/AAEAAABkAAAAAAAAABQAAABAHwAAAAAAACYAAAAAAAAAwOD//wAAAAAmAAAAZAAAABYAAABMAAAAAAAAAAAAAAAEAAAAAAAAAAEAAADu7OEKAAAAACgAAAAoAAAAZAAAAGQAAAAAAAAAzMzMAAAAAABQAAAAUAAAAGQAAABkAAAAAAAAABcAAAAUAAAAAAAAAAAAAAD/fwAA/38AAAAAAAAJAAAABAAAAD7o2aweAAAAaAAAAAAAAAAAAAAAAAAAAAAAAAAAAAAAECcAABAnAAAAAAAAAAAAAAAAAAAAAAAAAAAAAAAAAAAAAAAAAAAAABQAAAAAAAAAwMD/AAAAAABkAAAAMgAAAAAAAABkAAAAAAAAAH9/fwAKAAAAIgAAABgAAAAAAAAAAAAAAAAAAAAAAAAAAAAAAAAAAAAkAAAAJAAAAAAAAAAHAAAAAAAAAAAAAAAAAAAAAAAAAAAAAAAAAAAAf39/ACUAAABYAAAAAAAAAAAAAAAAAAAAAAAAAAAAAAAAAAAAAAAAAAAAAAAAAAAAAAAAAAAAAAA/AAAAAAAAAKCGAQAAAAAAAAAAAAAAAAAMAAAAAQAAAAAAAAAAAAAAAAAAAB8AAABUAAAAAAAABQAAAAEAAAAAAAAAAAAAAAAAAAAAAAAAAAAAAAAAAAAAAAAAAAAAAAJ/f38AAAAAA8zMzADAwP8Af39/AAAAAAAAAAAAAAAAAAAAAAAAAAAAIQAAABgAAAAUAAAAcgQAABwbAABCNAAAfSMAABAAAAAmAAAACAAAAIGAAAAAAAAA"/>
+                <pr:smNativeData xmlns:pr="smNativeData" xmlns="smNativeData" val="SMDATA_15_kWHaYhMAAAAlAAAAZAAAAA0AAAAAkAAAAEgAAACQAAAASAAAAAAAAAAAAAAAAAAAAAEAAABQAAAAAAAAAAAA4D8AAAAAAADgPwAAAAAAAOA/AAAAAAAA4D8AAAAAAADgPwAAAAAAAOA/AAAAAAAA4D8AAAAAAADgPwAAAAAAAOA/AAAAAAAA4D8CAAAAjAAAAAEAAAAAAAAA5ubmAP///wgAAAAAAAAAAAAAAAAAAAAAAAAAAAAAAAAAAAAAeAAAAAEAAABAAAAAAAAAAAAAAABaAAAAAAAAAAAAAAAAAAAAAAAAAAAAAAAAAAAAAAAAAAAAAAAAAAAAAAAAAAAAAAAAAAAAAAAAAAAAAAAAAAAAAAAAAAAAAAAAAAAAFAAAADwAAAAAAAAAAAAAAAAAAAkUAAAAAQAAABQAAAAUAAAAFAAAAAEAAAAAAAAAZAAAAGQAAAAAAAAAZAAAAGQAAAAVAAAAYAAAAAAAAAAAAAAADwAAACADAAAAAAAAAAAAAAEAAACgMgAAVgcAAKr4//8BAAAAf39/AAEAAABkAAAAAAAAABQAAABAHwAAAAAAACYAAAAAAAAAwOD//wAAAAAmAAAAZAAAABYAAABMAAAAAAAAAAAAAAAEAAAAAAAAAAEAAADu7OEKAAAAACgAAAAoAAAAZAAAAGQAAAAAAAAAzMzMAAAAAABQAAAAUAAAAGQAAABkAAAAAAAAABcAAAAUAAAAAAAAAAAAAAD/fwAA/38AAAAAAAAJAAAABAAAAD7o2aweAAAAaAAAAAAAAAAAAAAAAAAAAAAAAAAAAAAAECcAABAnAAAAAAAAAAAAAAAAAAAAAAAAAAAAAAAAAAAAAAAAAAAAABQAAAAAAAAAwMD/AAAAAABkAAAAMgAAAAAAAABkAAAAAAAAAH9/fwAKAAAAIgAAABgAAAAAAAAAAAAAAAAAAAAAAAAAAAAAAAAAAAAkAAAAJAAAAAAAAAAHAAAAAAAAAAAAAAAAAAAAAAAAAAAAAAAAAAAAf39/ACUAAABYAAAAAAAAAAAAAAAAAAAAAAAAAAAAAAAAAAAAAAAAAAAAAAAAAAAAAAAAAAAAAAA/AAAAAAAAAKCGAQAAAAAAAAAAAAAAAAAMAAAAAQAAAAAAAAAAAAAAAAAAAB8AAABUAAAA5ubmAP///wEAAAAAAAAAAAAAAAAAAAAAAAAAAAAAAAAAAAAAAAAAAAAAAAJ/f38A7uzhA8zMzADAwP8Af39/AAAAAAAAAAAAAAAAAAAAAAAAAAAAIQAAABgAAAAUAAAAcgQAABwbAABCNAAAfSMAABAAAAAmAAAACAAAAIGAAAAAAAAA"/>
               </a:ext>
             </a:extLst>
           </p:cNvSpPr>
@@ -1221,7 +1224,7 @@
             <a:spLocks noGrp="1" noChangeArrowheads="1"/>
             <a:extLst>
               <a:ext uri="smNativeData">
-                <pr:smNativeData xmlns:pr="smNativeData" xmlns="smNativeData" val="SMDATA_15_0rbXYhMAAAAlAAAAZAAAAA0AAAAAkAAAAEgAAACQAAAASAAAAAAAAAACAAAAAAAAAAEAAABQAAAAAAAAAAAA4D8AAAAAAADgPwAAAAAAAOA/AAAAAAAA4D8AAAAAAADgPwAAAAAAAOA/AAAAAAAA4D8AAAAAAADgPwAAAAAAAOA/AAAAAAAA4D8CAAAAjAAAAAAAAAAAAAAAT4G9DP///wgAAAAAAAAAAAAAAAAAAAAAAAAAAAAAAAAAAAAAZAAAAAEAAABAAAAAAAAAAAAAAAAAAAAAAAAAAAAAAAAAAAAAAAAAAAAAAAAAAAAAAAAAAAAAAAAAAAAAAAAAAAAAAAAAAAAAAAAAAAAAAAAAAAAAAAAAAAAAAAAAAAAAFAAAADwAAAAAAAAAAAAAAAAAAAkUAAAAAQAAABQAAAAUAAAAFAAAAAEAAAAAAAAAZAAAAGQAAAAAAAAAZAAAAGQAAAAVAAAAYAAAAAAAAAAAAAAADwAAACADAAAAAAAAAAAAAAEAAACgMgAAVgcAAKr4//8BAAAAf39/AAEAAABkAAAAAAAAABQAAABAHwAAAAAAACYAAAAAAAAAwOD//wAAAAAmAAAAZAAAABYAAABMAAAAAAAAAAAAAAAEAAAAAAAAAAEAAADu7OEKAAAAACgAAAAoAAAAZAAAAGQAAAAAAAAAzMzMAAAAAABQAAAAUAAAAGQAAABkAAAAAAAAABcAAAAUAAAAAAAAAAAAAAD/fwAA/38AAAAAAAAJAAAABAAAAD7o2aweAAAAaAAAAAAAAAAAAAAAAAAAAAAAAAAAAAAAECcAABAnAAAAAAAAAAAAAAAAAAAAAAAAAAAAAAAAAAAAAAAAAAAAABQAAAAAAAAAwMD/AAAAAABkAAAAMgAAAAAAAABkAAAAAAAAAH9/fwAKAAAAIgAAABgAAAAAAAAAAAAAAAAAAAAAAAAAAAAAAAAAAAAkAAAAJAAAAAAAAAAHAAAAAAAAAAAAAAAAAAAAAAAAAAAAAAAAAAAAf39/ACUAAABYAAAAAAAAAAAAAAAAAAAAAAAAAAAAAAAAAAAAAAAAAAAAAAAAAAAAAAAAAAAAAAA/AAAAAAAAAKCGAQAAAAAAAAAAAAAAAAAMAAAAAQAAAAAAAAAAAAAAAAAAAB8AAABUAAAAAAAABQAAAAEAAAAAAAAAAAAAAAAAAAAAAAAAAAAAAAAAAAAAAAAAAAAAAAJ/f38AAAAAA8zMzADAwP8Af39/AAAAAAAAAAAAAAAAAAAAAAAAAAAAIQAAABgAAAAUAAAAcgQAAOIRAABCNAAAHBsAABAAAAAmAAAACAAAAIGAAAAAAAAA"/>
+                <pr:smNativeData xmlns:pr="smNativeData" xmlns="smNativeData" val="SMDATA_15_kWHaYhMAAAAlAAAAZAAAAA0AAAAAkAAAAEgAAACQAAAASAAAAAAAAAACAAAAAAAAAAEAAABQAAAAAAAAAAAA4D8AAAAAAADgPwAAAAAAAOA/AAAAAAAA4D8AAAAAAADgPwAAAAAAAOA/AAAAAAAA4D8AAAAAAADgPwAAAAAAAOA/AAAAAAAA4D8CAAAAjAAAAAAAAAAAAAAAT4G9DP///wgAAAAAAAAAAAAAAAAAAAAAAAAAAAAAAAAAAAAAZAAAAAEAAABAAAAAAAAAAAAAAAAAAAAAAAAAAAAAAAAAAAAAAAAAAAAAAAAAAAAAAAAAAAAAAAAAAAAAAAAAAAAAAAAAAAAAAAAAAAAAAAAAAAAAAAAAAAAAAAAAAAAAFAAAADwAAAAAAAAAAAAAAAAAAAkUAAAAAQAAABQAAAAUAAAAFAAAAAEAAAAAAAAAZAAAAGQAAAAAAAAAZAAAAGQAAAAVAAAAYAAAAAAAAAAAAAAADwAAACADAAAAAAAAAAAAAAEAAACgMgAAVgcAAKr4//8BAAAAf39/AAEAAABkAAAAAAAAABQAAABAHwAAAAAAACYAAAAAAAAAwOD//wAAAAAmAAAAZAAAABYAAABMAAAAAAAAAAAAAAAEAAAAAAAAAAEAAADu7OEKAAAAACgAAAAoAAAAZAAAAGQAAAAAAAAAzMzMAAAAAABQAAAAUAAAAGQAAABkAAAAAAAAABcAAAAUAAAAAAAAAAAAAAD/fwAA/38AAAAAAAAJAAAABAAAAD7o2aweAAAAaAAAAAAAAAAAAAAAAAAAAAAAAAAAAAAAECcAABAnAAAAAAAAAAAAAAAAAAAAAAAAAAAAAAAAAAAAAAAAAAAAABQAAAAAAAAAwMD/AAAAAABkAAAAMgAAAAAAAABkAAAAAAAAAH9/fwAKAAAAIgAAABgAAAAAAAAAAAAAAAAAAAAAAAAAAAAAAAAAAAAkAAAAJAAAAAAAAAAHAAAAAAAAAAAAAAAAAAAAAAAAAAAAAAAAAAAAf39/ACUAAABYAAAAAAAAAAAAAAAAAAAAAAAAAAAAAAAAAAAAAAAAAAAAAAAAAAAAAAAAAAAAAAA/AAAAAAAAAKCGAQAAAAAAAAAAAAAAAAAMAAAAAQAAAAAAAAAAAAAAAAAAAB8AAABUAAAAT4G9Bf///wEAAAAAAAAAAAAAAAAAAAAAAAAAAAAAAAAAAAAAAAAAAAAAAAJ/f38A7uzhA8zMzADAwP8Af39/AAAAAAAAAAAAAAAAAAAAAAAAAAAAIQAAABgAAAAUAAAAcgQAAOIRAABCNAAAHBsAABAAAAAmAAAACAAAAIGAAAAAAAAA"/>
               </a:ext>
             </a:extLst>
           </p:cNvSpPr>
@@ -1332,7 +1335,7 @@
             <a:spLocks noGrp="1" noChangeArrowheads="1"/>
             <a:extLst>
               <a:ext uri="smNativeData">
-                <pr:smNativeData xmlns:pr="smNativeData" xmlns="smNativeData" val="SMDATA_15_0rbXYhMAAAAlAAAAZAAAAA0AAAAAkAAAAEgAAACQAAAASAAAAAAAAAABAAAAAAAAAAEAAABQAAAAAAAAAAAA4D8AAAAAAADgPwAAAAAAAOA/AAAAAAAA4D8AAAAAAADgPwAAAAAAAOA/AAAAAAAA4D8AAAAAAADgPwAAAAAAAOA/AAAAAAAA4D8CAAAAjAAAAAAAAAAAAAAAT4G9DP///wgAAAAAAAAAAAAAAAAAAAAAAAAAAAAAAAAAAAAAZAAAAAEAAABAAAAAAAAAAAAAAAAAAAAAAAAAAAAAAAAAAAAAAAAAAAAAAAAAAAAAAAAAAAAAAAAAAAAAAAAAAAAAAAAAAAAAAAAAAAAAAAAAAAAAAAAAAAAAAAAAAAAAFAAAADwAAAAAAAAAAAAAAAAAAAkUAAAAAQAAABQAAAAUAAAAFAAAAAEAAAAAAAAAZAAAAGQAAAAAAAAAZAAAAGQAAAAVAAAAYAAAAAAAAAAAAAAADwAAACADAAAAAAAAAAAAAAEAAACgMgAAVgcAAKr4//8BAAAAf39/AAEAAABkAAAAAAAAABQAAABAHwAAAAAAACYAAAAAAAAAwOD//wAAAAAmAAAAZAAAABYAAABMAAAAAAAAAAAAAAAEAAAAAAAAAAEAAADu7OEKAAAAACgAAAAoAAAAZAAAAGQAAAAAAAAAzMzMAAAAAABQAAAAUAAAAGQAAABkAAAAAAAAABcAAAAUAAAAAAAAAAAAAAD/fwAA/38AAAAAAAAJAAAABAAAAAAAAAAeAAAAaAAAAAAAAAAAAAAAAAAAAAAAAAAAAAAAECcAABAnAAAAAAAAAAAAAAAAAAAAAAAAAAAAAAAAAAAAAAAAAAAAABQAAAAAAAAAwMD/AAAAAABkAAAAMgAAAAAAAABkAAAAAAAAAH9/fwAKAAAAIgAAABgAAAAAAAAAAAAAAAAAAAAAAAAAAAAAAAAAAAAkAAAAJAAAAAAAAAAHAAAAAAAAAAAAAAAAAAAAAAAAAAAAAAAAAAAAf39/ACUAAABYAAAAAAAAAAAAAAAAAAAAAAAAAAAAAAAAAAAAAAAAAAAAAAAAAAAAAAAAAAAAAAA/AAAAAAAAAKCGAQAAAAAAAAAAAAAAAAAMAAAAAQAAAAAAAAAAAAAAAAAAAB8AAABUAAAAAAAABQAAAAEAAAAAAAAAAAAAAAAAAAAAAAAAAAAAAAAAAAAAAAAAAAAAAAJ/f38AAAAAA8zMzADAwP8Af39/AAAAAAAAAAAAAAAAAAAAAAAAAAAAIQAAABgAAAAUAAAA0AIAABonAADwDwAAWSkAABAAAAAmAAAACAAAAAAAAAAAAAAA"/>
+                <pr:smNativeData xmlns:pr="smNativeData" xmlns="smNativeData" val="SMDATA_15_kWHaYhMAAAAlAAAAZAAAAA0AAAAAkAAAAEgAAACQAAAASAAAAAAAAAABAAAAAAAAAAEAAABQAAAAAAAAAAAA4D8AAAAAAADgPwAAAAAAAOA/AAAAAAAA4D8AAAAAAADgPwAAAAAAAOA/AAAAAAAA4D8AAAAAAADgPwAAAAAAAOA/AAAAAAAA4D8CAAAAjAAAAAAAAAAAAAAAT4G9DP///wgAAAAAAAAAAAAAAAAAAAAAAAAAAAAAAAAAAAAAZAAAAAEAAABAAAAAAAAAAAAAAAAAAAAAAAAAAAAAAAAAAAAAAAAAAAAAAAAAAAAAAAAAAAAAAAAAAAAAAAAAAAAAAAAAAAAAAAAAAAAAAAAAAAAAAAAAAAAAAAAAAAAAFAAAADwAAAAAAAAAAAAAAAAAAAkUAAAAAQAAABQAAAAUAAAAFAAAAAEAAAAAAAAAZAAAAGQAAAAAAAAAZAAAAGQAAAAVAAAAYAAAAAAAAAAAAAAADwAAACADAAAAAAAAAAAAAAEAAACgMgAAVgcAAKr4//8BAAAAf39/AAEAAABkAAAAAAAAABQAAABAHwAAAAAAACYAAAAAAAAAwOD//wAAAAAmAAAAZAAAABYAAABMAAAAAAAAAAAAAAAEAAAAAAAAAAEAAADu7OEKAAAAACgAAAAoAAAAZAAAAGQAAAAAAAAAzMzMAAAAAABQAAAAUAAAAGQAAABkAAAAAAAAABcAAAAUAAAAAAAAAAAAAAD/fwAA/38AAAAAAAAJAAAABAAAAAAAAAAeAAAAaAAAAAAAAAAAAAAAAAAAAAAAAAAAAAAAECcAABAnAAAAAAAAAAAAAAAAAAAAAAAAAAAAAAAAAAAAAAAAAAAAABQAAAAAAAAAwMD/AAAAAABkAAAAMgAAAAAAAABkAAAAAAAAAH9/fwAKAAAAIgAAABgAAAAAAAAAAAAAAAAAAAAAAAAAAAAAAAAAAAAkAAAAJAAAAAAAAAAHAAAAAAAAAAAAAAAAAAAAAAAAAAAAAAAAAAAAf39/ACUAAABYAAAAAAAAAAAAAAAAAAAAAAAAAAAAAAAAAAAAAAAAAAAAAAAAAAAAAAAAAAAAAAA/AAAAAAAAAKCGAQAAAAAAAAAAAAAAAAAMAAAAAQAAAAAAAAAAAAAAAAAAAB8AAABUAAAAT4G9Bf///wEAAAAAAAAAAAAAAAAAAAAAAAAAAAAAAAAAAAAAAAAAAAAAAAJ/f38A7uzhA8zMzADAwP8Af39/AAAAAAAAAAAAAAAAAAAAAAAAAAAAIQAAABgAAAAUAAAA0AIAABonAADwDwAAWSkAABAAAAAmAAAACAAAAAAAAAAAAAAA"/>
               </a:ext>
             </a:extLst>
           </p:cNvSpPr>
@@ -1348,8 +1351,8 @@
             <a:pPr>
               <a:defRPr lang="fr-fr"/>
             </a:pPr>
-            <a:fld id="{57174F64-2ABA-42B9-F4AF-DCEC01E10289}" type="datetime1">
-              <a:t>1/04/15</a:t>
+            <a:fld id="{7ED01DA0-EE93-85EB-DD68-18BE53262B4D}" type="datetime1">
+              <a:t>(Date/heure)</a:t>
             </a:fld>
           </a:p>
         </p:txBody>
@@ -1361,7 +1364,7 @@
             <a:spLocks noGrp="1" noChangeArrowheads="1"/>
             <a:extLst>
               <a:ext uri="smNativeData">
-                <pr:smNativeData xmlns:pr="smNativeData" xmlns="smNativeData" val="SMDATA_15_0rbXYhMAAAAlAAAAZAAAAA0AAAAAkAAAAEgAAACQAAAASAAAAAAAAAABAAAAAAAAAAEAAABQAAAAAAAAAAAA4D8AAAAAAADgPwAAAAAAAOA/AAAAAAAA4D8AAAAAAADgPwAAAAAAAOA/AAAAAAAA4D8AAAAAAADgPwAAAAAAAOA/AAAAAAAA4D8CAAAAjAAAAAAAAAAAAAAAT4G9DP///wgAAAAAAAAAAAAAAAAAAAAAAAAAAAAAAAAAAAAAZAAAAAEAAABAAAAAAAAAAAAAAAAAAAAAAAAAAAAAAAAAAAAAAAAAAAAAAAAAAAAAAAAAAAAAAAAAAAAAAAAAAAAAAAAAAAAAAAAAAAAAAAAAAAAAAAAAAAAAAAAAAAAAFAAAADwAAAAAAAAAAAAAAAAAAAkUAAAAAQAAABQAAAAUAAAAFAAAAAEAAAAAAAAAZAAAAGQAAAAAAAAAZAAAAGQAAAAVAAAAYAAAAAAAAAAAAAAADwAAACADAAAAAAAAAAAAAAEAAACgMgAAVgcAAKr4//8BAAAAf39/AAEAAABkAAAAAAAAABQAAABAHwAAAAAAACYAAAAAAAAAwOD//wAAAAAmAAAAZAAAABYAAABMAAAAAAAAAAAAAAAEAAAAAAAAAAEAAADu7OEKAAAAACgAAAAoAAAAZAAAAGQAAAAAAAAAzMzMAAAAAABQAAAAUAAAAGQAAABkAAAAAAAAABcAAAAUAAAAAAAAAAAAAAD/fwAA/38AAAAAAAAJAAAABAAAAFDFzyEeAAAAaAAAAAAAAAAAAAAAAAAAAAAAAAAAAAAAECcAABAnAAAAAAAAAAAAAAAAAAAAAAAAAAAAAAAAAAAAAAAAAAAAABQAAAAAAAAAwMD/AAAAAABkAAAAMgAAAAAAAABkAAAAAAAAAH9/fwAKAAAAIgAAABgAAAAAAAAAAAAAAAAAAAAAAAAAAAAAAAAAAAAkAAAAJAAAAAAAAAAHAAAAAAAAAAAAAAAAAAAAAAAAAAAAAAAAAAAAf39/ACUAAABYAAAAAAAAAAAAAAAAAAAAAAAAAAAAAAAAAAAAAAAAAAAAAAAAAAAAAAAAAAAAAAA/AAAAAAAAAKCGAQAAAAAAAAAAAAAAAAAMAAAAAQAAAAAAAAAAAAAAAAAAAB8AAABUAAAAAAAABQAAAAEAAAAAAAAAAAAAAAAAAAAAAAAAAAAAAAAAAAAAAAAAAAAAAAJ/f38AAAAAA8zMzADAwP8Af39/AAAAAAAAAAAAAAAAAAAAAAAAAAAAIQAAABgAAAAUAAAAOBMAABonAAAIJQAAWSkAABAAAAAmAAAACAAAAAAAAAAAAAAA"/>
+                <pr:smNativeData xmlns:pr="smNativeData" xmlns="smNativeData" val="SMDATA_15_kWHaYhMAAAAlAAAAZAAAAA0AAAAAkAAAAEgAAACQAAAASAAAAAAAAAABAAAAAAAAAAEAAABQAAAAAAAAAAAA4D8AAAAAAADgPwAAAAAAAOA/AAAAAAAA4D8AAAAAAADgPwAAAAAAAOA/AAAAAAAA4D8AAAAAAADgPwAAAAAAAOA/AAAAAAAA4D8CAAAAjAAAAAAAAAAAAAAAT4G9DP///wgAAAAAAAAAAAAAAAAAAAAAAAAAAAAAAAAAAAAAZAAAAAEAAABAAAAAAAAAAAAAAAAAAAAAAAAAAAAAAAAAAAAAAAAAAAAAAAAAAAAAAAAAAAAAAAAAAAAAAAAAAAAAAAAAAAAAAAAAAAAAAAAAAAAAAAAAAAAAAAAAAAAAFAAAADwAAAAAAAAAAAAAAAAAAAkUAAAAAQAAABQAAAAUAAAAFAAAAAEAAAAAAAAAZAAAAGQAAAAAAAAAZAAAAGQAAAAVAAAAYAAAAAAAAAAAAAAADwAAACADAAAAAAAAAAAAAAEAAACgMgAAVgcAAKr4//8BAAAAf39/AAEAAABkAAAAAAAAABQAAABAHwAAAAAAACYAAAAAAAAAwOD//wAAAAAmAAAAZAAAABYAAABMAAAAAAAAAAAAAAAEAAAAAAAAAAEAAADu7OEKAAAAACgAAAAoAAAAZAAAAGQAAAAAAAAAzMzMAAAAAABQAAAAUAAAAGQAAABkAAAAAAAAABcAAAAUAAAAAAAAAAAAAAD/fwAA/38AAAAAAAAJAAAABAAAAFDFzyEeAAAAaAAAAAAAAAAAAAAAAAAAAAAAAAAAAAAAECcAABAnAAAAAAAAAAAAAAAAAAAAAAAAAAAAAAAAAAAAAAAAAAAAABQAAAAAAAAAwMD/AAAAAABkAAAAMgAAAAAAAABkAAAAAAAAAH9/fwAKAAAAIgAAABgAAAAAAAAAAAAAAAAAAAAAAAAAAAAAAAAAAAAkAAAAJAAAAAAAAAAHAAAAAAAAAAAAAAAAAAAAAAAAAAAAAAAAAAAAf39/ACUAAABYAAAAAAAAAAAAAAAAAAAAAAAAAAAAAAAAAAAAAAAAAAAAAAAAAAAAAAAAAAAAAAA/AAAAAAAAAKCGAQAAAAAAAAAAAAAAAAAMAAAAAQAAAAAAAAAAAAAAAAAAAB8AAABUAAAAT4G9Bf///wEAAAAAAAAAAAAAAAAAAAAAAAAAAAAAAAAAAAAAAAAAAAAAAAJ/f38A7uzhA8zMzADAwP8Af39/AAAAAAAAAAAAAAAAAAAAAAAAAAAAIQAAABgAAAAUAAAAOBMAABonAAAIJQAAWSkAABAAAAAmAAAACAAAAAAAAAAAAAAA"/>
               </a:ext>
             </a:extLst>
           </p:cNvSpPr>
@@ -1387,7 +1390,7 @@
             <a:spLocks noGrp="1" noChangeArrowheads="1"/>
             <a:extLst>
               <a:ext uri="smNativeData">
-                <pr:smNativeData xmlns:pr="smNativeData" xmlns="smNativeData" val="SMDATA_15_0rbXYhMAAAAlAAAAZAAAAA0AAAAAkAAAAEgAAACQAAAASAAAAAAAAAABAAAAAAAAAAEAAABQAAAAAAAAAAAA4D8AAAAAAADgPwAAAAAAAOA/AAAAAAAA4D8AAAAAAADgPwAAAAAAAOA/AAAAAAAA4D8AAAAAAADgPwAAAAAAAOA/AAAAAAAA4D8CAAAAjAAAAAAAAAAAAAAAT4G9DP///wgAAAAAAAAAAAAAAAAAAAAAAAAAAAAAAAAAAAAAZAAAAAEAAABAAAAAAAAAAAAAAAAAAAAAAAAAAAAAAAAAAAAAAAAAAAAAAAAAAAAAAAAAAAAAAAAAAAAAAAAAAAAAAAAAAAAAAAAAAAAAAAAAAAAAAAAAAAAAAAAAAAAAFAAAADwAAAAAAAAAAAAAAAAAAAkUAAAAAQAAABQAAAAUAAAAFAAAAAEAAAAAAAAAZAAAAGQAAAAAAAAAZAAAAGQAAAAVAAAAYAAAAAAAAAAAAAAADwAAACADAAAAAAAAAAAAAAEAAACgMgAAVgcAAKr4//8BAAAAf39/AAEAAABkAAAAAAAAABQAAABAHwAAAAAAACYAAAAAAAAAwOD//wAAAAAmAAAAZAAAABYAAABMAAAAAAAAAAAAAAAEAAAAAAAAAAEAAADu7OEKAAAAACgAAAAoAAAAZAAAAGQAAAAAAAAAzMzMAAAAAABQAAAAUAAAAGQAAABkAAAAAAAAABcAAAAUAAAAAAAAAAAAAAD/fwAA/38AAAAAAAAJAAAABAAAAAAAAAAeAAAAaAAAAAAAAAAAAAAAAAAAAAAAAAAAAAAAECcAABAnAAAAAAAAAAAAAAAAAAAAAAAAAAAAAAAAAAAAAAAAAAAAABQAAAAAAAAAwMD/AAAAAABkAAAAMgAAAAAAAABkAAAAAAAAAH9/fwAKAAAAIgAAABgAAAAAAAAAAAAAAAAAAAAAAAAAAAAAAAAAAAAkAAAAJAAAAAAAAAAHAAAAAAAAAAAAAAAAAAAAAAAAAAAAAAAAAAAAf39/ACUAAABYAAAAAAAAAAAAAAAAAAAAAAAAAAAAAAAAAAAAAAAAAAAAAAAAAAAAAAAAAAAAAAA/AAAAAAAAAKCGAQAAAAAAAAAAAAAAAAAMAAAAAQAAAAAAAAAAAAAAAAAAAB8AAABUAAAAAAAABQAAAAEAAAAAAAAAAAAAAAAAAAAAAAAAAAAAAAAAAAAAAAAAAAAAAAJ/f38AAAAAA8zMzADAwP8Af39/AAAAAAAAAAAAAAAAAAAAAAAAAAAAIQAAABgAAAAUAAAAUCgAABonAABwNQAAWSkAABAAAAAmAAAACAAAAAAAAAAAAAAA"/>
+                <pr:smNativeData xmlns:pr="smNativeData" xmlns="smNativeData" val="SMDATA_15_kWHaYhMAAAAlAAAAZAAAAA0AAAAAkAAAAEgAAACQAAAASAAAAAAAAAABAAAAAAAAAAEAAABQAAAAAAAAAAAA4D8AAAAAAADgPwAAAAAAAOA/AAAAAAAA4D8AAAAAAADgPwAAAAAAAOA/AAAAAAAA4D8AAAAAAADgPwAAAAAAAOA/AAAAAAAA4D8CAAAAjAAAAAAAAAAAAAAAT4G9DP///wgAAAAAAAAAAAAAAAAAAAAAAAAAAAAAAAAAAAAAZAAAAAEAAABAAAAAAAAAAAAAAAAAAAAAAAAAAAAAAAAAAAAAAAAAAAAAAAAAAAAAAAAAAAAAAAAAAAAAAAAAAAAAAAAAAAAAAAAAAAAAAAAAAAAAAAAAAAAAAAAAAAAAFAAAADwAAAAAAAAAAAAAAAAAAAkUAAAAAQAAABQAAAAUAAAAFAAAAAEAAAAAAAAAZAAAAGQAAAAAAAAAZAAAAGQAAAAVAAAAYAAAAAAAAAAAAAAADwAAACADAAAAAAAAAAAAAAEAAACgMgAAVgcAAKr4//8BAAAAf39/AAEAAABkAAAAAAAAABQAAABAHwAAAAAAACYAAAAAAAAAwOD//wAAAAAmAAAAZAAAABYAAABMAAAAAAAAAAAAAAAEAAAAAAAAAAEAAADu7OEKAAAAACgAAAAoAAAAZAAAAGQAAAAAAAAAzMzMAAAAAABQAAAAUAAAAGQAAABkAAAAAAAAABcAAAAUAAAAAAAAAAAAAAD/fwAA/38AAAAAAAAJAAAABAAAAAAAAAAeAAAAaAAAAAAAAAAAAAAAAAAAAAAAAAAAAAAAECcAABAnAAAAAAAAAAAAAAAAAAAAAAAAAAAAAAAAAAAAAAAAAAAAABQAAAAAAAAAwMD/AAAAAABkAAAAMgAAAAAAAABkAAAAAAAAAH9/fwAKAAAAIgAAABgAAAAAAAAAAAAAAAAAAAAAAAAAAAAAAAAAAAAkAAAAJAAAAAAAAAAHAAAAAAAAAAAAAAAAAAAAAAAAAAAAAAAAAAAAf39/ACUAAABYAAAAAAAAAAAAAAAAAAAAAAAAAAAAAAAAAAAAAAAAAAAAAAAAAAAAAAAAAAAAAAA/AAAAAAAAAKCGAQAAAAAAAAAAAAAAAAAMAAAAAQAAAAAAAAAAAAAAAAAAAB8AAABUAAAAT4G9Bf///wEAAAAAAAAAAAAAAAAAAAAAAAAAAAAAAAAAAAAAAAAAAAAAAAJ/f38A7uzhA8zMzADAwP8Af39/AAAAAAAAAAAAAAAAAAAAAAAAAAAAIQAAABgAAAAUAAAAUCgAABonAABwNQAAWSkAABAAAAAmAAAACAAAAAAAAAAAAAAA"/>
               </a:ext>
             </a:extLst>
           </p:cNvSpPr>
@@ -1403,8 +1406,8 @@
             <a:pPr>
               <a:defRPr lang="fr-fr"/>
             </a:pPr>
-            <a:fld id="{709A9C6C-229D-CF6A-D322-D43FD26C2581}" type="slidenum">
-              <a:t>‹#›</a:t>
+            <a:fld id="{37E99724-6ADA-BC61-9451-9C34D91F62C9}" type="slidenum">
+              <a:t>{N°}</a:t>
             </a:fld>
           </a:p>
         </p:txBody>
@@ -1442,7 +1445,7 @@
             <a:spLocks noGrp="1" noChangeArrowheads="1"/>
             <a:extLst>
               <a:ext uri="smNativeData">
-                <pr:smNativeData xmlns:pr="smNativeData" xmlns="smNativeData" val="SMDATA_15_0rbXYhMAAAAlAAAAZAAAAA0AAAAAkAAAAEgAAACQAAAASAAAAAAAAAABAAAAAAAAAAEAAABQAAAAAAAAAAAA4D8AAAAAAADgPwAAAAAAAOA/AAAAAAAA4D8AAAAAAADgPwAAAAAAAOA/AAAAAAAA4D8AAAAAAADgPwAAAAAAAOA/AAAAAAAA4D8CAAAAjAAAAAAAAAAAAAAAT4G9DP///wgAAAAAAAAAAAAAAAAAAAAAAAAAAAAAAAAAAAAAZAAAAAEAAABAAAAAAAAAAAAAAAAAAAAAAAAAAAAAAAAAAAAAAAAAAAAAAAAAAAAAAAAAAAAAAAAAAAAAAAAAAAAAAAAAAAAAAAAAAAAAAAAAAAAAAAAAAAAAAAAAAAAAFAAAADwAAAAAAAAAAAAAAAAAAAkUAAAAAQAAABQAAAAUAAAAFAAAAAEAAAAAAAAAZAAAAGQAAAAAAAAAZAAAAGQAAAAVAAAAYAAAAAAAAAAAAAAADwAAACADAAAAAAAAAAAAAAEAAACgMgAAVgcAAKr4//8BAAAAf39/AAEAAABkAAAAAAAAABQAAABAHwAAAAAAACYAAAAAAAAAwOD//wAAAAAmAAAAZAAAABYAAABMAAAAAAAAAAAAAAAEAAAAAAAAAAEAAADu7OEKAAAAACgAAAAoAAAAZAAAAGQAAAAAAAAAzMzMAAAAAABQAAAAUAAAAGQAAABkAAAAAAAAABcAAAAUAAAAAAAAAAAAAAD/fwAA/38AAAAAAAAJAAAABAAAAAAAAAAeAAAAaAAAAAAAAAAAAAAAAAAAAAAAAAAAAAAAECcAABAnAAAAAAAAAAAAAAAAAAAAAAAAAAAAAAAAAAAAAAAAAAAAABQAAAAAAAAAwMD/AAAAAABkAAAAMgAAAAAAAABkAAAAAAAAAH9/fwAKAAAAIgAAABgAAAAAAAAAAAAAAAAAAAAAAAAAAAAAAAAAAAAkAAAAJAAAAAAAAAAHAAAAAAAAAAAAAAAAAAAAAAAAAAAAAAAAAAAAf39/ACUAAABYAAAAAAAAAAAAAAAAAAAAAAAAAAAAAAAAAAAAAAAAAAAAAAAAAAAAAAAAAAAAAAA/AAAAAAAAAKCGAQAAAAAAAAAAAAAAAAAMAAAAAQAAAAAAAAAAAAAAAAAAAB8AAABUAAAAAAAABQAAAAEAAAAAAAAAAAAAAAAAAAAAAAAAAAAAAAAAAAAAAAAAAAAAAAJ/f38AAAAAA8zMzADAwP8Af39/AAAAAAAAAAAAAAAAAAAAAAAAAAAAIQAAABgAAAAUAAAA0AIAALEBAABwNQAAuQgAABAAAAAmAAAACAAAAAAAAAAAAAAA"/>
+                <pr:smNativeData xmlns:pr="smNativeData" xmlns="smNativeData" val="SMDATA_15_kWHaYhMAAAAlAAAAZAAAAA0AAAAAkAAAAEgAAACQAAAASAAAAAAAAAABAAAAAAAAAAEAAABQAAAAAAAAAAAA4D8AAAAAAADgPwAAAAAAAOA/AAAAAAAA4D8AAAAAAADgPwAAAAAAAOA/AAAAAAAA4D8AAAAAAADgPwAAAAAAAOA/AAAAAAAA4D8CAAAAjAAAAAEAAAAAAAAA5ubmAP///wgAAAAAAAAAAAAAAAAAAAAAAAAAAAAAAAAAAAAAeAAAAAEAAABAAAAAAAAAAAAAAABaAAAAAAAAAAAAAAAAAAAAAAAAAAAAAAAAAAAAAAAAAAAAAAAAAAAAAAAAAAAAAAAAAAAAAAAAAAAAAAAAAAAAAAAAAAAAAAAAAAAAFAAAADwAAAAAAAAAAAAAAAAAAAkUAAAAAQAAABQAAAAUAAAAFAAAAAEAAAAAAAAAZAAAAGQAAAAAAAAAZAAAAGQAAAAVAAAAYAAAAAAAAAAAAAAADwAAACADAAAAAAAAAAAAAAEAAACgMgAAVgcAAKr4//8BAAAAf39/AAEAAABkAAAAAAAAABQAAABAHwAAAAAAACYAAAAAAAAAwOD//wAAAAAmAAAAZAAAABYAAABMAAAAAAAAAAAAAAAEAAAAAAAAAAEAAADu7OEKAAAAACgAAAAoAAAAZAAAAGQAAAAAAAAAzMzMAAAAAABQAAAAUAAAAGQAAABkAAAAAAAAABcAAAAUAAAAAAAAAAAAAAD/fwAA/38AAAAAAAAJAAAABAAAAAAAAAAeAAAAaAAAAAAAAAAAAAAAAAAAAAAAAAAAAAAAECcAABAnAAAAAAAAAAAAAAAAAAAAAAAAAAAAAAAAAAAAAAAAAAAAABQAAAAAAAAAwMD/AAAAAABkAAAAMgAAAAAAAABkAAAAAAAAAH9/fwAKAAAAIgAAABgAAAAAAAAAAAAAAAAAAAAAAAAAAAAAAAAAAAAkAAAAJAAAAAAAAAAHAAAAAAAAAAAAAAAAAAAAAAAAAAAAAAAAAAAAf39/ACUAAABYAAAAAAAAAAAAAAAAAAAAAAAAAAAAAAAAAAAAAAAAAAAAAAAAAAAAAAAAAAAAAAA/AAAAAAAAAKCGAQAAAAAAAAAAAAAAAAAMAAAAAQAAAAAAAAAAAAAAAAAAAB8AAABUAAAA5ubmAP///wEAAAAAAAAAAAAAAAAAAAAAAAAAAAAAAAAAAAAAAAAAAAAAAAJ/f38A7uzhA8zMzADAwP8Af39/AAAAAAAAAAAAAAAAAAAAAAAAAAAAIQAAABgAAAAUAAAA0AIAALEBAABwNQAAuQgAABAAAAAmAAAACAAAAAAAAAAAAAAA"/>
               </a:ext>
             </a:extLst>
           </p:cNvSpPr>
@@ -1471,7 +1474,7 @@
             <a:spLocks noGrp="1" noChangeArrowheads="1"/>
             <a:extLst>
               <a:ext uri="smNativeData">
-                <pr:smNativeData xmlns:pr="smNativeData" xmlns="smNativeData" val="SMDATA_15_0rbXYhMAAAAlAAAAZAAAAA0AAAAAkAAAAEgAAACQAAAASAAAAAAAAAAAAAAAAAAAAAEAAABQAAAAAAAAAAAA4D8AAAAAAADgPwAAAAAAAOA/AAAAAAAA4D8AAAAAAADgPwAAAAAAAOA/AAAAAAAA4D8AAAAAAADgPwAAAAAAAOA/AAAAAAAA4D8CAAAAjAAAAAAAAAAAAAAAT4G9DP///wgAAAAAAAAAAAAAAAAAAAAAAAAAAAAAAAAAAAAAZAAAAAEAAABAAAAAAAAAAAAAAAAAAAAAAAAAAAAAAAAAAAAAAAAAAAAAAAAAAAAAAAAAAAAAAAAAAAAAAAAAAAAAAAAAAAAAAAAAAAAAAAAAAAAAAAAAAAAAAAAAAAAAFAAAADwAAAAAAAAAAAAAAAAAAAkUAAAAAQAAABQAAAAUAAAAFAAAAAEAAAAAAAAAZAAAAGQAAAAAAAAAZAAAAGQAAAAVAAAAYAAAAAAAAAAAAAAADwAAACADAAAAAAAAAAAAAAEAAACgMgAAVgcAAKr4//8BAAAAf39/AAEAAABkAAAAAAAAABQAAABAHwAAAAAAACYAAAAAAAAAwOD//wAAAAAmAAAAZAAAABYAAABMAAAAAAAAAAAAAAAEAAAAAAAAAAEAAADu7OEKAAAAACgAAAAoAAAAZAAAAGQAAAAAAAAAzMzMAAAAAABQAAAAUAAAAGQAAABkAAAAAAAAABcAAAAUAAAAAAAAAAAAAAD/fwAA/38AAAAAAAAJAAAABAAAAFRhcmceAAAAaAAAAAAAAAAAAAAAAAAAAAAAAAAAAAAAECcAABAnAAAAAAAAAAAAAAAAAAAAAAAAAAAAAAAAAAAAAAAAAAAAABQAAAAAAAAAwMD/AAAAAABkAAAAMgAAAAAAAABkAAAAAAAAAH9/fwAKAAAAIgAAABgAAAAAAAAAAAAAAAAAAAAAAAAAAAAAAAAAAAAkAAAAJAAAAAAAAAAHAAAAAAAAAAAAAAAAAAAAAAAAAAAAAAAAAAAAf39/ACUAAABYAAAAAAAAAAAAAAAAAAAAAAAAAAAAAAAAAAAAAAAAAAAAAAAAAAAAAAAAAAAAAAA/AAAAAAAAAKCGAQAAAAAAAAAAAAAAAAAMAAAAAQAAAAAAAAAAAAAAAAAAAB8AAABUAAAAAAAABQAAAAEAAAAAAAAAAAAAAAAAAAAAAAAAAAAAAAAAAAAAAAAAAAAAAAJ/f38AAAAAA8zMzADAwP8Af39/AAAAAAAAAAAAAAAAAAAAAAAAAAAAIQAAABgAAAAUAAAA0AIAANgJAACoGwAAsCUAABAAAAAmAAAACAAAAAGAAAAAAAAA"/>
+                <pr:smNativeData xmlns:pr="smNativeData" xmlns="smNativeData" val="SMDATA_15_kWHaYhMAAAAlAAAAZAAAAA0AAAAAkAAAAEgAAACQAAAASAAAAAAAAAAAAAAAAAAAAAEAAABQAAAAAAAAAAAA4D8AAAAAAADgPwAAAAAAAOA/AAAAAAAA4D8AAAAAAADgPwAAAAAAAOA/AAAAAAAA4D8AAAAAAADgPwAAAAAAAOA/AAAAAAAA4D8CAAAAjAAAAAAAAAAAAAAAT4G9DP///wgAAAAAAAAAAAAAAAAAAAAAAAAAAAAAAAAAAAAAZAAAAAEAAABAAAAAAAAAAAAAAAAAAAAAAAAAAAAAAAAAAAAAAAAAAAAAAAAAAAAAAAAAAAAAAAAAAAAAAAAAAAAAAAAAAAAAAAAAAAAAAAAAAAAAAAAAAAAAAAAAAAAAFAAAADwAAAAAAAAAAAAAAAAAAAkUAAAAAQAAABQAAAAUAAAAFAAAAAEAAAAAAAAAZAAAAGQAAAAAAAAAZAAAAGQAAAAVAAAAYAAAAAAAAAAAAAAADwAAACADAAAAAAAAAAAAAAEAAACgMgAAVgcAAKr4//8BAAAAf39/AAEAAABkAAAAAAAAABQAAABAHwAAAAAAACYAAAAAAAAAwOD//wAAAAAmAAAAZAAAABYAAABMAAAAAAAAAAAAAAAEAAAAAAAAAAEAAADu7OEKAAAAACgAAAAoAAAAZAAAAGQAAAAAAAAAzMzMAAAAAABQAAAAUAAAAGQAAABkAAAAAAAAABcAAAAUAAAAAAAAAAAAAAD/fwAA/38AAAAAAAAJAAAABAAAAFRhcmceAAAAaAAAAAAAAAAAAAAAAAAAAAAAAAAAAAAAECcAABAnAAAAAAAAAAAAAAAAAAAAAAAAAAAAAAAAAAAAAAAAAAAAABQAAAAAAAAAwMD/AAAAAABkAAAAMgAAAAAAAABkAAAAAAAAAH9/fwAKAAAAIgAAABgAAAAAAAAAAAAAAAAAAAAAAAAAAAAAAAAAAAAkAAAAJAAAAAAAAAAHAAAAAAAAAAAAAAAAAAAAAAAAAAAAAAAAAAAAf39/ACUAAABYAAAAAAAAAAAAAAAAAAAAAAAAAAAAAAAAAAAAAAAAAAAAAAAAAAAAAAAAAAAAAAA/AAAAAAAAAKCGAQAAAAAAAAAAAAAAAAAMAAAAAQAAAAAAAAAAAAAAAAAAAB8AAABUAAAAT4G9Bf///wEAAAAAAAAAAAAAAAAAAAAAAAAAAAAAAAAAAAAAAAAAAAAAAAJ/f38A7uzhA8zMzADAwP8Af39/AAAAAAAAAAAAAAAAAAAAAAAAAAAAIQAAABgAAAAUAAAA0AIAANgJAACoGwAAsCUAABAAAAAmAAAACAAAAAGAAAAAAAAA"/>
               </a:ext>
             </a:extLst>
           </p:cNvSpPr>
@